--- a/Lecture/Lecture-01-Linux-tasks-and-scheduler.pptx
+++ b/Lecture/Lecture-01-Linux-tasks-and-scheduler.pptx
@@ -261,7 +261,7 @@
             <a:spLocks noGrp="1" noChangeArrowheads="1"/>
             <a:extLst>
               <a:ext uri="smNativeData">
-                <pr:smNativeData xmlns:pr="smNativeData" val="SMDATA_13_BbpsXRMAAAAlAAAAZAAAAA8BAAAAkAAAAEgAAACQAAAASAAAAAAAAAABAAAAAAAAAAEAAABQAAAAAAAAAAAA4D8AAAAAAADgPwAAAAAAAOA/AAAAAAAA4D8AAAAAAADgPwAAAAAAAOA/AAAAAAAA4D8AAAAAAADgPwAAAAAAAOA/AAAAAAAA4D8CAAAAjAAAAAAAAAAAAAAAu+DjDP///wgAAAAAAAAAAAAAAAAAAAAAAAAAAAAAAAAAAAAAZAAAAAEAAABAAAAAAAAAAAAAAAAAAAAAAAAAAAAAAAAAAAAAAAAAAAAAAAAAAAAAAAAAAAAAAAAAAAAAAAAAAAAAAAAAAAAAAAAAAAAAAAAAAAAAAAAAAAAAAAAAAAAAFAAAADwAAAAAAAAAAAAAAAAAAAkUAAAAAQAAABQAAAAUAAAAFAAAAAEAAAAAAAAAZAAAAGQAAAAAAAAAZAAAAGQAAAAVAAAAYAAAAAAAAAAAAAAADwAAACADAAAAAAAAAAAAAAEAAACgMgAAVgcAAKr4//8BAAAAf39/AAEAAABkAAAAAAAAABQAAABAHwAAAAAAACYAAAAAAAAAwOD//wAAAAAmAAAAZAAAABYAAABMAAAAAAAAAAAAAAAEAAAAAAAAAAEAAACAgIAKAAAAACgAAAAoAAAAZAAAAGQAAAAAAAAAzMzMAAAAAABQAAAAUAAAAGQAAABkAAAAAAAAABcAAAAUAAAAAAAAAAAAAAD/fwAA/38AAAAAAAAJAAAABAAAAAAAAAAMAAAAEAAAAAAAAAAAAAAAAAAAAAAAAAAeAAAAaAAAAAAAAAAAAAAAAAAAAAAAAAAAAAAAECcAABAnAAAAAAAAAAAAAAAAAAAAAAAAAAAAAAAAAAAAAAAAAAAAABQAAAAAAAAAwMD/AAAAAABkAAAAMgAAAAAAAABkAAAAAAAAAH9/fwAKAAAAHwAAAFQAAAAAAAAFAAAAAQAAAAAAAAAAAAAAAAAAAAAAAAAAAAAAAAAAAAAAAAAAAAAAAn9/fwAAAAADzMzMAMDA/wB/f38AAAAAAAAAAAAAAAAAAAAAAAAAAAAhAAAAGAAAABQAAAA4BAAAGg0AAAg0AAAmFgAAEAAAACYAAAAIAAAAAQAAAAAAAAA="/>
+                <pr:smNativeData xmlns:pr="smNativeData" val="SMDATA_13_IrKAXRMAAAAlAAAAZAAAAA8BAAAAkAAAAEgAAACQAAAASAAAAAAAAAABAAAAAAAAAAEAAABQAAAAAAAAAAAA4D8AAAAAAADgPwAAAAAAAOA/AAAAAAAA4D8AAAAAAADgPwAAAAAAAOA/AAAAAAAA4D8AAAAAAADgPwAAAAAAAOA/AAAAAAAA4D8CAAAAjAAAAAAAAAAAAAAAu+DjDP///wgAAAAAAAAAAAAAAAAAAAAAAAAAAAAAAAAAAAAAZAAAAAEAAABAAAAAAAAAAAAAAAAAAAAAAAAAAAAAAAAAAAAAAAAAAAAAAAAAAAAAAAAAAAAAAAAAAAAAAAAAAAAAAAAAAAAAAAAAAAAAAAAAAAAAAAAAAAAAAAAAAAAAFAAAADwAAAAAAAAAAAAAAAAAAAkUAAAAAQAAABQAAAAUAAAAFAAAAAEAAAAAAAAAZAAAAGQAAAAAAAAAZAAAAGQAAAAVAAAAYAAAAAAAAAAAAAAADwAAACADAAAAAAAAAAAAAAEAAACgMgAAVgcAAKr4//8BAAAAf39/AAEAAABkAAAAAAAAABQAAABAHwAAAAAAACYAAAAAAAAAwOD//wAAAAAmAAAAZAAAABYAAABMAAAAAAAAAAAAAAAEAAAAAAAAAAEAAACAgIAKAAAAACgAAAAoAAAAZAAAAGQAAAAAAAAAzMzMAAAAAABQAAAAUAAAAGQAAABkAAAAAAAAABcAAAAUAAAAAAAAAAAAAAD/fwAA/38AAAAAAAAJAAAABAAAAAAAAAAMAAAAEAAAAAAAAAAAAAAAAAAAAAAAAAAeAAAAaAAAAAAAAAAAAAAAAAAAAAAAAAAAAAAAECcAABAnAAAAAAAAAAAAAAAAAAAAAAAAAAAAAAAAAAAAAAAAAAAAABQAAAAAAAAAwMD/AAAAAABkAAAAMgAAAAAAAABkAAAAAAAAAH9/fwAKAAAAHwAAAFQAAAAAAAAFAAAAAQAAAAAAAAAAAAAAAAAAAAAAAAAAAAAAAAAAAAAAAAAAAAAAAn9/fwAAAAADzMzMAMDA/wB/f38AAAAAAAAAAAAAAAAAAAAAAAAAAAAhAAAAGAAAABQAAAA4BAAAGg0AAAg0AAAmFgAAEAAAACYAAAAIAAAAAQAAAAAAAAA="/>
               </a:ext>
             </a:extLst>
           </p:cNvSpPr>
@@ -293,7 +293,7 @@
             <a:spLocks noGrp="1" noChangeArrowheads="1"/>
             <a:extLst>
               <a:ext uri="smNativeData">
-                <pr:smNativeData xmlns:pr="smNativeData" val="SMDATA_13_BbpsXRMAAAAlAAAAZAAAAA8BAAAAkAAAAEgAAACQAAAASAAAAAAAAAAAAAAAAAAAAAEAAABQAAAAAAAAAAAA4D8AAAAAAADgPwAAAAAAAOA/AAAAAAAA4D8AAAAAAADgPwAAAAAAAOA/AAAAAAAA4D8AAAAAAADgPwAAAAAAAOA/AAAAAAAA4D8CAAAAjAAAAAAAAAAAAAAAu+DjDP///wgAAAAAAAAAAAAAAAAAAAAAAAAAAAAAAAAAAAAAZAAAAAEAAABAAAAAAAAAAAAAAAAAAAAAAAAAAAAAAAAAAAAAAAAAAAAAAAAAAAAAAAAAAAAAAAAAAAAAAAAAAAAAAAAAAAAAAAAAAAAAAAAAAAAAAAAAAAAAAAAAAAAAFAAAADwAAAAAAAAAAAAAAAAAAAkUAAAAAQAAABQAAAAUAAAAFAAAAAEAAAAAAAAAZAAAAGQAAAAAAAAAZAAAAGQAAAAVAAAAYAAAAAAAAAAAAAAADwAAACADAAAAAAAAAAAAAAEAAACgMgAAVgcAAKr4//8BAAAAf39/AAEAAABkAAAAAAAAABQAAABAHwAAAAAAACYAAAAAAAAAwOD//wAAAAAmAAAAZAAAABYAAABMAAAAAAAAAAAAAAAEAAAAAAAAAAEAAACAgIAKAAAAACgAAAAoAAAAZAAAAGQAAAAAAAAAzMzMAAAAAABQAAAAUAAAAGQAAABkAAAAAAAAABcAAAAUAAAAAAAAAAAAAAD/fwAA/38AAAAAAAAJAAAABAAAAAYAAAAMAAAAEAAAAAAAAAAAAAAAAAAAAAAAAAAeAAAAaAAAAAAAAAAAAAAAAAAAAAAAAAAAAAAAECcAABAnAAAAAAAAAAAAAAAAAAAAAAAAAAAAAAAAAAAAAAAAAAAAABQAAAAAAAAAwMD/AAAAAABkAAAAMgAAAAAAAABkAAAAAAAAAH9/fwAKAAAAHwAAAFQAAAAAAAAFAAAAAQAAAAAAAAAAAAAAAAAAAAAAAAAAAAAAAAAAAAAAAAAAAAAAAn9/fwAAAAADzMzMAMDA/wB/f38AAAAAAAAAAAAAAAAAAAAAAAAAAAAhAAAAGAAAABQAAABwCAAA6BcAANAvAACwIgAAEAAAACYAAAAIAAAAAYAAAAAAAAA="/>
+                <pr:smNativeData xmlns:pr="smNativeData" val="SMDATA_13_IrKAXRMAAAAlAAAAZAAAAA8BAAAAkAAAAEgAAACQAAAASAAAAAAAAAAAAAAAAAAAAAEAAABQAAAAAAAAAAAA4D8AAAAAAADgPwAAAAAAAOA/AAAAAAAA4D8AAAAAAADgPwAAAAAAAOA/AAAAAAAA4D8AAAAAAADgPwAAAAAAAOA/AAAAAAAA4D8CAAAAjAAAAAAAAAAAAAAAu+DjDP///wgAAAAAAAAAAAAAAAAAAAAAAAAAAAAAAAAAAAAAZAAAAAEAAABAAAAAAAAAAAAAAAAAAAAAAAAAAAAAAAAAAAAAAAAAAAAAAAAAAAAAAAAAAAAAAAAAAAAAAAAAAAAAAAAAAAAAAAAAAAAAAAAAAAAAAAAAAAAAAAAAAAAAFAAAADwAAAAAAAAAAAAAAAAAAAkUAAAAAQAAABQAAAAUAAAAFAAAAAEAAAAAAAAAZAAAAGQAAAAAAAAAZAAAAGQAAAAVAAAAYAAAAAAAAAAAAAAADwAAACADAAAAAAAAAAAAAAEAAACgMgAAVgcAAKr4//8BAAAAf39/AAEAAABkAAAAAAAAABQAAABAHwAAAAAAACYAAAAAAAAAwOD//wAAAAAmAAAAZAAAABYAAABMAAAAAAAAAAAAAAAEAAAAAAAAAAEAAACAgIAKAAAAACgAAAAoAAAAZAAAAGQAAAAAAAAAzMzMAAAAAABQAAAAUAAAAGQAAABkAAAAAAAAABcAAAAUAAAAAAAAAAAAAAD/fwAA/38AAAAAAAAJAAAABAAAAAYAAAAMAAAAEAAAAAAAAAAAAAAAAAAAAAAAAAAeAAAAaAAAAAAAAAAAAAAAAAAAAAAAAAAAAAAAECcAABAnAAAAAAAAAAAAAAAAAAAAAAAAAAAAAAAAAAAAAAAAAAAAABQAAAAAAAAAwMD/AAAAAABkAAAAMgAAAAAAAABkAAAAAAAAAH9/fwAKAAAAHwAAAFQAAAAAAAAFAAAAAQAAAAAAAAAAAAAAAAAAAAAAAAAAAAAAAAAAAAAAAAAAAAAAAn9/fwAAAAADzMzMAMDA/wB/f38AAAAAAAAAAAAAAAAAAAAAAAAAAAAhAAAAGAAAABQAAABwCAAA6BcAANAvAACwIgAAEAAAACYAAAAIAAAAAYAAAAAAAAA="/>
               </a:ext>
             </a:extLst>
           </p:cNvSpPr>
@@ -353,7 +353,7 @@
             <a:spLocks noGrp="1" noChangeArrowheads="1"/>
             <a:extLst>
               <a:ext uri="smNativeData">
-                <pr:smNativeData xmlns:pr="smNativeData" val="SMDATA_13_BbpsXRMAAAAlAAAAZAAAAA8BAAAAkAAAAEgAAACQAAAASAAAAAAAAAABAAAAAAAAAAEAAABQAAAAAAAAAAAA4D8AAAAAAADgPwAAAAAAAOA/AAAAAAAA4D8AAAAAAADgPwAAAAAAAOA/AAAAAAAA4D8AAAAAAADgPwAAAAAAAOA/AAAAAAAA4D8CAAAAjAAAAAAAAAAAAAAAu+DjDP///wgAAAAAAAAAAAAAAAAAAAAAAAAAAAAAAAAAAAAAZAAAAAEAAABAAAAAAAAAAAAAAAAAAAAAAAAAAAAAAAAAAAAAAAAAAAAAAAAAAAAAAAAAAAAAAAAAAAAAAAAAAAAAAAAAAAAAAAAAAAAAAAAAAAAAAAAAAAAAAAAAAAAAFAAAADwAAAAAAAAAAAAAAAAAAAkUAAAAAQAAABQAAAAUAAAAFAAAAAEAAAAAAAAAZAAAAGQAAAAAAAAAZAAAAGQAAAAVAAAAYAAAAAAAAAAAAAAADwAAACADAAAAAAAAAAAAAAEAAACgMgAAVgcAAKr4//8BAAAAf39/AAEAAABkAAAAAAAAABQAAABAHwAAAAAAACYAAAAAAAAAwOD//wAAAAAmAAAAZAAAABYAAABMAAAAAAAAAAAAAAAEAAAAAAAAAAEAAACAgIAKAAAAACgAAAAoAAAAZAAAAGQAAAAAAAAAzMzMAAAAAABQAAAAUAAAAGQAAABkAAAAAAAAABcAAAAUAAAAAAAAAAAAAAD/fwAA/38AAAAAAAAJAAAABAAAAAAAAAAMAAAAEAAAAAAAAAAAAAAAAAAAAAAAAAAeAAAAaAAAAAAAAAAAAAAAAAAAAAAAAAAAAAAAECcAABAnAAAAAAAAAAAAAAAAAAAAAAAAAAAAAAAAAAAAAAAAAAAAABQAAAAAAAAAwMD/AAAAAABkAAAAMgAAAAAAAABkAAAAAAAAAH9/fwAKAAAAHwAAAFQAAAAAAAAFAAAAAQAAAAAAAAAAAAAAAAAAAAAAAAAAAAAAAAAAAAAAAAAAAAAAAn9/fwAAAAADzMzMAMDA/wB/f38AAAAAAAAAAAAAAAAAAAAAAAAAAAAhAAAAGAAAABQAAADQAgAAGycAAPAPAABZKQAAEAAAACYAAAAIAAAAAAAAAAAAAAA="/>
+                <pr:smNativeData xmlns:pr="smNativeData" val="SMDATA_13_IrKAXRMAAAAlAAAAZAAAAA8BAAAAkAAAAEgAAACQAAAASAAAAAAAAAABAAAAAAAAAAEAAABQAAAAAAAAAAAA4D8AAAAAAADgPwAAAAAAAOA/AAAAAAAA4D8AAAAAAADgPwAAAAAAAOA/AAAAAAAA4D8AAAAAAADgPwAAAAAAAOA/AAAAAAAA4D8CAAAAjAAAAAAAAAAAAAAAu+DjDP///wgAAAAAAAAAAAAAAAAAAAAAAAAAAAAAAAAAAAAAZAAAAAEAAABAAAAAAAAAAAAAAAAAAAAAAAAAAAAAAAAAAAAAAAAAAAAAAAAAAAAAAAAAAAAAAAAAAAAAAAAAAAAAAAAAAAAAAAAAAAAAAAAAAAAAAAAAAAAAAAAAAAAAFAAAADwAAAAAAAAAAAAAAAAAAAkUAAAAAQAAABQAAAAUAAAAFAAAAAEAAAAAAAAAZAAAAGQAAAAAAAAAZAAAAGQAAAAVAAAAYAAAAAAAAAAAAAAADwAAACADAAAAAAAAAAAAAAEAAACgMgAAVgcAAKr4//8BAAAAf39/AAEAAABkAAAAAAAAABQAAABAHwAAAAAAACYAAAAAAAAAwOD//wAAAAAmAAAAZAAAABYAAABMAAAAAAAAAAAAAAAEAAAAAAAAAAEAAACAgIAKAAAAACgAAAAoAAAAZAAAAGQAAAAAAAAAzMzMAAAAAABQAAAAUAAAAGQAAABkAAAAAAAAABcAAAAUAAAAAAAAAAAAAAD/fwAA/38AAAAAAAAJAAAABAAAAAAAAAAMAAAAEAAAAAAAAAAAAAAAAAAAAAAAAAAeAAAAaAAAAAAAAAAAAAAAAAAAAAAAAAAAAAAAECcAABAnAAAAAAAAAAAAAAAAAAAAAAAAAAAAAAAAAAAAAAAAAAAAABQAAAAAAAAAwMD/AAAAAABkAAAAMgAAAAAAAABkAAAAAAAAAH9/fwAKAAAAHwAAAFQAAAAAAAAFAAAAAQAAAAAAAAAAAAAAAAAAAAAAAAAAAAAAAAAAAAAAAAAAAAAAAn9/fwAAAAADzMzMAMDA/wB/f38AAAAAAAAAAAAAAAAAAAAAAAAAAAAhAAAAGAAAABQAAADQAgAAGycAAPAPAABZKQAAEAAAACYAAAAIAAAAAAAAAAAAAAA="/>
               </a:ext>
             </a:extLst>
           </p:cNvSpPr>
@@ -367,7 +367,7 @@
           <a:lstStyle/>
           <a:p>
             <a:pPr/>
-            <a:fld id="{40EF7E19-57AD-BA88-E357-A1DD301915F4}" type="datetime1">
+            <a:fld id="{08CE2353-1DE5-9BD5-AB76-EB806D385DBE}" type="datetime1">
               <a:t/>
             </a:fld>
           </a:p>
@@ -380,7 +380,7 @@
             <a:spLocks noGrp="1" noChangeArrowheads="1"/>
             <a:extLst>
               <a:ext uri="smNativeData">
-                <pr:smNativeData xmlns:pr="smNativeData" val="SMDATA_13_BbpsXRMAAAAlAAAAZAAAAA8BAAAAkAAAAEgAAACQAAAASAAAAAAAAAABAAAAAAAAAAEAAABQAAAAAAAAAAAA4D8AAAAAAADgPwAAAAAAAOA/AAAAAAAA4D8AAAAAAADgPwAAAAAAAOA/AAAAAAAA4D8AAAAAAADgPwAAAAAAAOA/AAAAAAAA4D8CAAAAjAAAAAAAAAAAAAAAu+DjDP///wgAAAAAAAAAAAAAAAAAAAAAAAAAAAAAAAAAAAAAZAAAAAEAAABAAAAAAAAAAAAAAAAAAAAAAAAAAAAAAAAAAAAAAAAAAAAAAAAAAAAAAAAAAAAAAAAAAAAAAAAAAAAAAAAAAAAAAAAAAAAAAAAAAAAAAAAAAAAAAAAAAAAAFAAAADwAAAAAAAAAAAAAAAAAAAkUAAAAAQAAABQAAAAUAAAAFAAAAAEAAAAAAAAAZAAAAGQAAAAAAAAAZAAAAGQAAAAVAAAAYAAAAAAAAAAAAAAADwAAACADAAAAAAAAAAAAAAEAAACgMgAAVgcAAKr4//8BAAAAf39/AAEAAABkAAAAAAAAABQAAABAHwAAAAAAACYAAAAAAAAAwOD//wAAAAAmAAAAZAAAABYAAABMAAAAAAAAAAAAAAAEAAAAAAAAAAEAAACAgIAKAAAAACgAAAAoAAAAZAAAAGQAAAAAAAAAzMzMAAAAAABQAAAAUAAAAGQAAABkAAAAAAAAABcAAAAUAAAAAAAAAAAAAAD/fwAA/38AAAAAAAAJAAAABAAAAAAAAAAMAAAAEAAAAAAAAAAAAAAAAAAAAAAAAAAeAAAAaAAAAAAAAAAAAAAAAAAAAAAAAAAAAAAAECcAABAnAAAAAAAAAAAAAAAAAAAAAAAAAAAAAAAAAAAAAAAAAAAAABQAAAAAAAAAwMD/AAAAAABkAAAAMgAAAAAAAABkAAAAAAAAAH9/fwAKAAAAHwAAAFQAAAAAAAAFAAAAAQAAAAAAAAAAAAAAAAAAAAAAAAAAAAAAAAAAAAAAAAAAAAAAAn9/fwAAAAADzMzMAMDA/wB/f38AAAAAAAAAAAAAAAAAAAAAAAAAAAAhAAAAGAAAABQAAAA4EwAAGycAAAglAABZKQAAEAAAACYAAAAIAAAAAAAAAAAAAAA="/>
+                <pr:smNativeData xmlns:pr="smNativeData" val="SMDATA_13_IrKAXRMAAAAlAAAAZAAAAA8BAAAAkAAAAEgAAACQAAAASAAAAAAAAAABAAAAAAAAAAEAAABQAAAAAAAAAAAA4D8AAAAAAADgPwAAAAAAAOA/AAAAAAAA4D8AAAAAAADgPwAAAAAAAOA/AAAAAAAA4D8AAAAAAADgPwAAAAAAAOA/AAAAAAAA4D8CAAAAjAAAAAAAAAAAAAAAu+DjDP///wgAAAAAAAAAAAAAAAAAAAAAAAAAAAAAAAAAAAAAZAAAAAEAAABAAAAAAAAAAAAAAAAAAAAAAAAAAAAAAAAAAAAAAAAAAAAAAAAAAAAAAAAAAAAAAAAAAAAAAAAAAAAAAAAAAAAAAAAAAAAAAAAAAAAAAAAAAAAAAAAAAAAAFAAAADwAAAAAAAAAAAAAAAAAAAkUAAAAAQAAABQAAAAUAAAAFAAAAAEAAAAAAAAAZAAAAGQAAAAAAAAAZAAAAGQAAAAVAAAAYAAAAAAAAAAAAAAADwAAACADAAAAAAAAAAAAAAEAAACgMgAAVgcAAKr4//8BAAAAf39/AAEAAABkAAAAAAAAABQAAABAHwAAAAAAACYAAAAAAAAAwOD//wAAAAAmAAAAZAAAABYAAABMAAAAAAAAAAAAAAAEAAAAAAAAAAEAAACAgIAKAAAAACgAAAAoAAAAZAAAAGQAAAAAAAAAzMzMAAAAAABQAAAAUAAAAGQAAABkAAAAAAAAABcAAAAUAAAAAAAAAAAAAAD/fwAA/38AAAAAAAAJAAAABAAAAAAAAAAMAAAAEAAAAAAAAAAAAAAAAAAAAAAAAAAeAAAAaAAAAAAAAAAAAAAAAAAAAAAAAAAAAAAAECcAABAnAAAAAAAAAAAAAAAAAAAAAAAAAAAAAAAAAAAAAAAAAAAAABQAAAAAAAAAwMD/AAAAAABkAAAAMgAAAAAAAABkAAAAAAAAAH9/fwAKAAAAHwAAAFQAAAAAAAAFAAAAAQAAAAAAAAAAAAAAAAAAAAAAAAAAAAAAAAAAAAAAAAAAAAAAAn9/fwAAAAADzMzMAMDA/wB/f38AAAAAAAAAAAAAAAAAAAAAAAAAAAAhAAAAGAAAABQAAAA4EwAAGycAAAglAABZKQAAEAAAACYAAAAIAAAAAAAAAAAAAAA="/>
               </a:ext>
             </a:extLst>
           </p:cNvSpPr>
@@ -404,7 +404,7 @@
             <a:spLocks noGrp="1" noChangeArrowheads="1"/>
             <a:extLst>
               <a:ext uri="smNativeData">
-                <pr:smNativeData xmlns:pr="smNativeData" val="SMDATA_13_BbpsXRMAAAAlAAAAZAAAAA8BAAAAkAAAAEgAAACQAAAASAAAAAAAAAABAAAAAAAAAAEAAABQAAAAAAAAAAAA4D8AAAAAAADgPwAAAAAAAOA/AAAAAAAA4D8AAAAAAADgPwAAAAAAAOA/AAAAAAAA4D8AAAAAAADgPwAAAAAAAOA/AAAAAAAA4D8CAAAAjAAAAAAAAAAAAAAAu+DjDP///wgAAAAAAAAAAAAAAAAAAAAAAAAAAAAAAAAAAAAAZAAAAAEAAABAAAAAAAAAAAAAAAAAAAAAAAAAAAAAAAAAAAAAAAAAAAAAAAAAAAAAAAAAAAAAAAAAAAAAAAAAAAAAAAAAAAAAAAAAAAAAAAAAAAAAAAAAAAAAAAAAAAAAFAAAADwAAAAAAAAAAAAAAAAAAAkUAAAAAQAAABQAAAAUAAAAFAAAAAEAAAAAAAAAZAAAAGQAAAAAAAAAZAAAAGQAAAAVAAAAYAAAAAAAAAAAAAAADwAAACADAAAAAAAAAAAAAAEAAACgMgAAVgcAAKr4//8BAAAAf39/AAEAAABkAAAAAAAAABQAAABAHwAAAAAAACYAAAAAAAAAwOD//wAAAAAmAAAAZAAAABYAAABMAAAAAAAAAAAAAAAEAAAAAAAAAAEAAACAgIAKAAAAACgAAAAoAAAAZAAAAGQAAAAAAAAAzMzMAAAAAABQAAAAUAAAAGQAAABkAAAAAAAAABcAAAAUAAAAAAAAAAAAAAD/fwAA/38AAAAAAAAJAAAABAAAAAAAAAAMAAAAEAAAAAAAAAAAAAAAAAAAAAAAAAAeAAAAaAAAAAAAAAAAAAAAAAAAAAAAAAAAAAAAECcAABAnAAAAAAAAAAAAAAAAAAAAAAAAAAAAAAAAAAAAAAAAAAAAABQAAAAAAAAAwMD/AAAAAABkAAAAMgAAAAAAAABkAAAAAAAAAH9/fwAKAAAAHwAAAFQAAAAAAAAFAAAAAQAAAAAAAAAAAAAAAAAAAAAAAAAAAAAAAAAAAAAAAAAAAAAAAn9/fwAAAAADzMzMAMDA/wB/f38AAAAAAAAAAAAAAAAAAAAAAAAAAAAhAAAAGAAAABQAAABQKAAAGycAAHA1AABZKQAAEAAAACYAAAAIAAAAAAAAAAAAAAA="/>
+                <pr:smNativeData xmlns:pr="smNativeData" val="SMDATA_13_IrKAXRMAAAAlAAAAZAAAAA8BAAAAkAAAAEgAAACQAAAASAAAAAAAAAABAAAAAAAAAAEAAABQAAAAAAAAAAAA4D8AAAAAAADgPwAAAAAAAOA/AAAAAAAA4D8AAAAAAADgPwAAAAAAAOA/AAAAAAAA4D8AAAAAAADgPwAAAAAAAOA/AAAAAAAA4D8CAAAAjAAAAAAAAAAAAAAAu+DjDP///wgAAAAAAAAAAAAAAAAAAAAAAAAAAAAAAAAAAAAAZAAAAAEAAABAAAAAAAAAAAAAAAAAAAAAAAAAAAAAAAAAAAAAAAAAAAAAAAAAAAAAAAAAAAAAAAAAAAAAAAAAAAAAAAAAAAAAAAAAAAAAAAAAAAAAAAAAAAAAAAAAAAAAFAAAADwAAAAAAAAAAAAAAAAAAAkUAAAAAQAAABQAAAAUAAAAFAAAAAEAAAAAAAAAZAAAAGQAAAAAAAAAZAAAAGQAAAAVAAAAYAAAAAAAAAAAAAAADwAAACADAAAAAAAAAAAAAAEAAACgMgAAVgcAAKr4//8BAAAAf39/AAEAAABkAAAAAAAAABQAAABAHwAAAAAAACYAAAAAAAAAwOD//wAAAAAmAAAAZAAAABYAAABMAAAAAAAAAAAAAAAEAAAAAAAAAAEAAACAgIAKAAAAACgAAAAoAAAAZAAAAGQAAAAAAAAAzMzMAAAAAABQAAAAUAAAAGQAAABkAAAAAAAAABcAAAAUAAAAAAAAAAAAAAD/fwAA/38AAAAAAAAJAAAABAAAAAAAAAAMAAAAEAAAAAAAAAAAAAAAAAAAAAAAAAAeAAAAaAAAAAAAAAAAAAAAAAAAAAAAAAAAAAAAECcAABAnAAAAAAAAAAAAAAAAAAAAAAAAAAAAAAAAAAAAAAAAAAAAABQAAAAAAAAAwMD/AAAAAABkAAAAMgAAAAAAAABkAAAAAAAAAH9/fwAKAAAAHwAAAFQAAAAAAAAFAAAAAQAAAAAAAAAAAAAAAAAAAAAAAAAAAAAAAAAAAAAAAAAAAAAAAn9/fwAAAAADzMzMAMDA/wB/f38AAAAAAAAAAAAAAAAAAAAAAAAAAAAhAAAAGAAAABQAAABQKAAAGycAAHA1AABZKQAAEAAAACYAAAAIAAAAAAAAAAAAAAA="/>
               </a:ext>
             </a:extLst>
           </p:cNvSpPr>
@@ -418,7 +418,7 @@
           <a:lstStyle/>
           <a:p>
             <a:pPr/>
-            <a:fld id="{3F9B2FFC-B2D2-CED9-9C23-448C616D6A11}" type="slidenum">
+            <a:fld id="{7D45995D-1390-106F-DEFD-E53AD7B328B0}" type="slidenum">
               <a:t/>
             </a:fld>
           </a:p>
@@ -456,7 +456,7 @@
             <a:spLocks noGrp="1" noChangeArrowheads="1"/>
             <a:extLst>
               <a:ext uri="smNativeData">
-                <pr:smNativeData xmlns:pr="smNativeData" val="SMDATA_13_BbpsXRMAAAAlAAAAZAAAAA8BAAAAkAAAAEgAAACQAAAASAAAAAAAAAABAAAAAAAAAAEAAABQAAAAAAAAAAAA4D8AAAAAAADgPwAAAAAAAOA/AAAAAAAA4D8AAAAAAADgPwAAAAAAAOA/AAAAAAAA4D8AAAAAAADgPwAAAAAAAOA/AAAAAAAA4D8CAAAAjAAAAAAAAAAAAAAAu+DjDP///wgAAAAAAAAAAAAAAAAAAAAAAAAAAAAAAAAAAAAAZAAAAAEAAABAAAAAAAAAAAAAAAAAAAAAAAAAAAAAAAAAAAAAAAAAAAAAAAAAAAAAAAAAAAAAAAAAAAAAAAAAAAAAAAAAAAAAAAAAAAAAAAAAAAAAAAAAAAAAAAAAAAAAFAAAADwAAAAAAAAAAAAAAAAAAAkUAAAAAQAAABQAAAAUAAAAFAAAAAEAAAAAAAAAZAAAAGQAAAAAAAAAZAAAAGQAAAAVAAAAYAAAAAAAAAAAAAAADwAAACADAAAAAAAAAAAAAAEAAACgMgAAVgcAAKr4//8BAAAAf39/AAEAAABkAAAAAAAAABQAAABAHwAAAAAAACYAAAAAAAAAwOD//wAAAAAmAAAAZAAAABYAAABMAAAAAAAAAAAAAAAEAAAAAAAAAAEAAACAgIAKAAAAACgAAAAoAAAAZAAAAGQAAAAAAAAAzMzMAAAAAABQAAAAUAAAAGQAAABkAAAAAAAAABcAAAAUAAAAAAAAAAAAAAD/fwAA/38AAAAAAAAJAAAABAAAAAYZAAAMAAAAEAAAAAAAAAAAAAAAAAAAAAAAAAAeAAAAaAAAAAAAAAAAAAAAAAAAAAAAAAAAAAAAECcAABAnAAAAAAAAAAAAAAAAAAAAAAAAAAAAAAAAAAAAAAAAAAAAABQAAAAAAAAAwMD/AAAAAABkAAAAMgAAAAAAAABkAAAAAAAAAH9/fwAKAAAAHwAAAFQAAAAAAAAFAAAAAQAAAAAAAAAAAAAAAAAAAAAAAAAAAAAAAAAAAAAAAAAAAAAAAn9/fwAAAAADzMzMAMDA/wB/f38AAAAAAAAAAAAAAAAAAAAAAAAAAAAhAAAAGAAAABQAAADQAgAAsAEAAHA1AAC4CAAAEAAAACYAAAAIAAAAAAAAAAAAAAA="/>
+                <pr:smNativeData xmlns:pr="smNativeData" val="SMDATA_13_IrKAXRMAAAAlAAAAZAAAAA8BAAAAkAAAAEgAAACQAAAASAAAAAAAAAABAAAAAAAAAAEAAABQAAAAAAAAAAAA4D8AAAAAAADgPwAAAAAAAOA/AAAAAAAA4D8AAAAAAADgPwAAAAAAAOA/AAAAAAAA4D8AAAAAAADgPwAAAAAAAOA/AAAAAAAA4D8CAAAAjAAAAAAAAAAAAAAAu+DjDP///wgAAAAAAAAAAAAAAAAAAAAAAAAAAAAAAAAAAAAAZAAAAAEAAABAAAAAAAAAAAAAAAAAAAAAAAAAAAAAAAAAAAAAAAAAAAAAAAAAAAAAAAAAAAAAAAAAAAAAAAAAAAAAAAAAAAAAAAAAAAAAAAAAAAAAAAAAAAAAAAAAAAAAFAAAADwAAAAAAAAAAAAAAAAAAAkUAAAAAQAAABQAAAAUAAAAFAAAAAEAAAAAAAAAZAAAAGQAAAAAAAAAZAAAAGQAAAAVAAAAYAAAAAAAAAAAAAAADwAAACADAAAAAAAAAAAAAAEAAACgMgAAVgcAAKr4//8BAAAAf39/AAEAAABkAAAAAAAAABQAAABAHwAAAAAAACYAAAAAAAAAwOD//wAAAAAmAAAAZAAAABYAAABMAAAAAAAAAAAAAAAEAAAAAAAAAAEAAACAgIAKAAAAACgAAAAoAAAAZAAAAGQAAAAAAAAAzMzMAAAAAABQAAAAUAAAAGQAAABkAAAAAAAAABcAAAAUAAAAAAAAAAAAAAD/fwAA/38AAAAAAAAJAAAABAAAAAYZAAAMAAAAEAAAAAAAAAAAAAAAAAAAAAAAAAAeAAAAaAAAAAAAAAAAAAAAAAAAAAAAAAAAAAAAECcAABAnAAAAAAAAAAAAAAAAAAAAAAAAAAAAAAAAAAAAAAAAAAAAABQAAAAAAAAAwMD/AAAAAABkAAAAMgAAAAAAAABkAAAAAAAAAH9/fwAKAAAAHwAAAFQAAAAAAAAFAAAAAQAAAAAAAAAAAAAAAAAAAAAAAAAAAAAAAAAAAAAAAAAAAAAAAn9/fwAAAAADzMzMAMDA/wB/f38AAAAAAAAAAAAAAAAAAAAAAAAAAAAhAAAAGAAAABQAAADQAgAAsAEAAHA1AAC4CAAAEAAAACYAAAAIAAAAAAAAAAAAAAA="/>
               </a:ext>
             </a:extLst>
           </p:cNvSpPr>
@@ -483,7 +483,7 @@
             <a:spLocks noGrp="1" noChangeArrowheads="1"/>
             <a:extLst>
               <a:ext uri="smNativeData">
-                <pr:smNativeData xmlns:pr="smNativeData" val="SMDATA_13_BbpsXRMAAAAlAAAAZAAAAA8BAAAAkAAAAEgAAACQAAAASAAAAAAAAAAAAAAAAQAAAAEAAABQAAAAAAAAAAAA4D8AAAAAAADgPwAAAAAAAOA/AAAAAAAA4D8AAAAAAADgPwAAAAAAAOA/AAAAAAAA4D8AAAAAAADgPwAAAAAAAOA/AAAAAAAA4D8CAAAAjAAAAAAAAAAAAAAAu+DjDP///wgAAAAAAAAAAAAAAAAAAAAAAAAAAAAAAAAAAAAAZAAAAAEAAABAAAAAAAAAAAAAAAAAAAAAAAAAAAAAAAAAAAAAAAAAAAAAAAAAAAAAAAAAAAAAAAAAAAAAAAAAAAAAAAAAAAAAAAAAAAAAAAAAAAAAAAAAAAAAAAAAAAAAFAAAADwAAAAAAAAAAAAAAAAAAAkUAAAAAQAAABQAAAAUAAAAFAAAAAEAAAAAAAAAZAAAAGQAAAAAAAAAZAAAAGQAAAAVAAAAYAAAAAAAAAAAAAAADwAAACADAAAAAAAAAAAAAAEAAACgMgAAVgcAAKr4//8BAAAAf39/AAEAAABkAAAAAAAAABQAAABAHwAAAAAAACYAAAAAAAAAwOD//wAAAAAmAAAAZAAAABYAAABMAAAAAAAAAAAAAAAEAAAAAAAAAAEAAACAgIAKAAAAACgAAAAoAAAAZAAAAGQAAAAAAAAAzMzMAAAAAABQAAAAUAAAAGQAAABkAAAAAAAAABcAAAAUAAAAAAAAAAAAAAD/fwAA/38AAAAAAAAJAAAABAAAAAYZAAAMAAAAEAAAAAAAAAAAAAAAAAAAAAAAAAAeAAAAaAAAAAAAAAAAAAAAAAAAAAAAAAAAAAAAECcAABAnAAAAAAAAAAAAAAAAAAAAAAAAAAAAAAAAAAAAAAAAAAAAABQAAAAAAAAAwMD/AAAAAABkAAAAMgAAAAAAAABkAAAAAAAAAH9/fwAKAAAAHwAAAFQAAAAAAAAFAAAAAQAAAAAAAAAAAAAAAAAAAAAAAAAAAAAAAAAAAAAAAAAAAAAAAn9/fwAAAAADzMzMAMDA/wB/f38AAAAAAAAAAAAAAAAAAAAAAAAAAAAhAAAAGAAAABQAAADQAgAA2AkAAHA1AACwJQAAEAAAACYAAAAIAAAAAgAAAAAAAAA="/>
+                <pr:smNativeData xmlns:pr="smNativeData" val="SMDATA_13_IrKAXRMAAAAlAAAAZAAAAA8BAAAAkAAAAEgAAACQAAAASAAAAAAAAAAAAAAAAQAAAAEAAABQAAAAAAAAAAAA4D8AAAAAAADgPwAAAAAAAOA/AAAAAAAA4D8AAAAAAADgPwAAAAAAAOA/AAAAAAAA4D8AAAAAAADgPwAAAAAAAOA/AAAAAAAA4D8CAAAAjAAAAAAAAAAAAAAAu+DjDP///wgAAAAAAAAAAAAAAAAAAAAAAAAAAAAAAAAAAAAAZAAAAAEAAABAAAAAAAAAAAAAAAAAAAAAAAAAAAAAAAAAAAAAAAAAAAAAAAAAAAAAAAAAAAAAAAAAAAAAAAAAAAAAAAAAAAAAAAAAAAAAAAAAAAAAAAAAAAAAAAAAAAAAFAAAADwAAAAAAAAAAAAAAAAAAAkUAAAAAQAAABQAAAAUAAAAFAAAAAEAAAAAAAAAZAAAAGQAAAAAAAAAZAAAAGQAAAAVAAAAYAAAAAAAAAAAAAAADwAAACADAAAAAAAAAAAAAAEAAACgMgAAVgcAAKr4//8BAAAAf39/AAEAAABkAAAAAAAAABQAAABAHwAAAAAAACYAAAAAAAAAwOD//wAAAAAmAAAAZAAAABYAAABMAAAAAAAAAAAAAAAEAAAAAAAAAAEAAACAgIAKAAAAACgAAAAoAAAAZAAAAGQAAAAAAAAAzMzMAAAAAABQAAAAUAAAAGQAAABkAAAAAAAAABcAAAAUAAAAAAAAAAAAAAD/fwAA/38AAAAAAAAJAAAABAAAAAYZAAAMAAAAEAAAAAAAAAAAAAAAAAAAAAAAAAAeAAAAaAAAAAAAAAAAAAAAAAAAAAAAAAAAAAAAECcAABAnAAAAAAAAAAAAAAAAAAAAAAAAAAAAAAAAAAAAAAAAAAAAABQAAAAAAAAAwMD/AAAAAABkAAAAMgAAAAAAAABkAAAAAAAAAH9/fwAKAAAAHwAAAFQAAAAAAAAFAAAAAQAAAAAAAAAAAAAAAAAAAAAAAAAAAAAAAAAAAAAAAAAAAAAAAn9/fwAAAAADzMzMAMDA/wB/f38AAAAAAAAAAAAAAAAAAAAAAAAAAAAhAAAAGAAAABQAAADQAgAA2AkAAHA1AACwJQAAEAAAACYAAAAIAAAAAgAAAAAAAAA="/>
               </a:ext>
             </a:extLst>
           </p:cNvSpPr>
@@ -538,7 +538,7 @@
             <a:spLocks noGrp="1" noChangeArrowheads="1"/>
             <a:extLst>
               <a:ext uri="smNativeData">
-                <pr:smNativeData xmlns:pr="smNativeData" val="SMDATA_13_BbpsXRMAAAAlAAAAZAAAAA8BAAAAkAAAAEgAAACQAAAASAAAAAAAAAABAAAAAAAAAAEAAABQAAAAAAAAAAAA4D8AAAAAAADgPwAAAAAAAOA/AAAAAAAA4D8AAAAAAADgPwAAAAAAAOA/AAAAAAAA4D8AAAAAAADgPwAAAAAAAOA/AAAAAAAA4D8CAAAAjAAAAAAAAAAAAAAAu+DjDP///wgAAAAAAAAAAAAAAAAAAAAAAAAAAAAAAAAAAAAAZAAAAAEAAABAAAAAAAAAAAAAAAAAAAAAAAAAAAAAAAAAAAAAAAAAAAAAAAAAAAAAAAAAAAAAAAAAAAAAAAAAAAAAAAAAAAAAAAAAAAAAAAAAAAAAAAAAAAAAAAAAAAAAFAAAADwAAAAAAAAAAAAAAAAAAAkUAAAAAQAAABQAAAAUAAAAFAAAAAEAAAAAAAAAZAAAAGQAAAAAAAAAZAAAAGQAAAAVAAAAYAAAAAAAAAAAAAAADwAAACADAAAAAAAAAAAAAAEAAACgMgAAVgcAAKr4//8BAAAAf39/AAEAAABkAAAAAAAAABQAAABAHwAAAAAAACYAAAAAAAAAwOD//wAAAAAmAAAAZAAAABYAAABMAAAAAAAAAAAAAAAEAAAAAAAAAAEAAACAgIAKAAAAACgAAAAoAAAAZAAAAGQAAAAAAAAAzMzMAAAAAABQAAAAUAAAAGQAAABkAAAAAAAAABcAAAAUAAAAAAAAAAAAAAD/fwAA/38AAAAAAAAJAAAABAAAAAYZAAAMAAAAEAAAAAAAAAAAAAAAAAAAAAAAAAAeAAAAaAAAAAAAAAAAAAAAAAAAAAAAAAAAAAAAECcAABAnAAAAAAAAAAAAAAAAAAAAAAAAAAAAAAAAAAAAAAAAAAAAABQAAAAAAAAAwMD/AAAAAABkAAAAMgAAAAAAAABkAAAAAAAAAH9/fwAKAAAAHwAAAFQAAAAAAAAFAAAAAQAAAAAAAAAAAAAAAAAAAAAAAAAAAAAAAAAAAAAAAAAAAAAAAn9/fwAAAAADzMzMAMDA/wB/f38AAAAAAAAAAAAAAAAAAAAAAAAAAAAhAAAAGAAAABQAAADQAgAAGycAAPAPAABZKQAAEAAAACYAAAAIAAAAAAAAAAAAAAA="/>
+                <pr:smNativeData xmlns:pr="smNativeData" val="SMDATA_13_IrKAXRMAAAAlAAAAZAAAAA8BAAAAkAAAAEgAAACQAAAASAAAAAAAAAABAAAAAAAAAAEAAABQAAAAAAAAAAAA4D8AAAAAAADgPwAAAAAAAOA/AAAAAAAA4D8AAAAAAADgPwAAAAAAAOA/AAAAAAAA4D8AAAAAAADgPwAAAAAAAOA/AAAAAAAA4D8CAAAAjAAAAAAAAAAAAAAAu+DjDP///wgAAAAAAAAAAAAAAAAAAAAAAAAAAAAAAAAAAAAAZAAAAAEAAABAAAAAAAAAAAAAAAAAAAAAAAAAAAAAAAAAAAAAAAAAAAAAAAAAAAAAAAAAAAAAAAAAAAAAAAAAAAAAAAAAAAAAAAAAAAAAAAAAAAAAAAAAAAAAAAAAAAAAFAAAADwAAAAAAAAAAAAAAAAAAAkUAAAAAQAAABQAAAAUAAAAFAAAAAEAAAAAAAAAZAAAAGQAAAAAAAAAZAAAAGQAAAAVAAAAYAAAAAAAAAAAAAAADwAAACADAAAAAAAAAAAAAAEAAACgMgAAVgcAAKr4//8BAAAAf39/AAEAAABkAAAAAAAAABQAAABAHwAAAAAAACYAAAAAAAAAwOD//wAAAAAmAAAAZAAAABYAAABMAAAAAAAAAAAAAAAEAAAAAAAAAAEAAACAgIAKAAAAACgAAAAoAAAAZAAAAGQAAAAAAAAAzMzMAAAAAABQAAAAUAAAAGQAAABkAAAAAAAAABcAAAAUAAAAAAAAAAAAAAD/fwAA/38AAAAAAAAJAAAABAAAAAYZAAAMAAAAEAAAAAAAAAAAAAAAAAAAAAAAAAAeAAAAaAAAAAAAAAAAAAAAAAAAAAAAAAAAAAAAECcAABAnAAAAAAAAAAAAAAAAAAAAAAAAAAAAAAAAAAAAAAAAAAAAABQAAAAAAAAAwMD/AAAAAABkAAAAMgAAAAAAAABkAAAAAAAAAH9/fwAKAAAAHwAAAFQAAAAAAAAFAAAAAQAAAAAAAAAAAAAAAAAAAAAAAAAAAAAAAAAAAAAAAAAAAAAAAn9/fwAAAAADzMzMAMDA/wB/f38AAAAAAAAAAAAAAAAAAAAAAAAAAAAhAAAAGAAAABQAAADQAgAAGycAAPAPAABZKQAAEAAAACYAAAAIAAAAAAAAAAAAAAA="/>
               </a:ext>
             </a:extLst>
           </p:cNvSpPr>
@@ -552,7 +552,7 @@
           <a:lstStyle/>
           <a:p>
             <a:pPr/>
-            <a:fld id="{36BB1862-2CDB-EEEE-9503-DABB564D638F}" type="datetime1">
+            <a:fld id="{6E7774A1-EF83-2282-CDCF-19D73A813B4C}" type="datetime1">
               <a:t/>
             </a:fld>
           </a:p>
@@ -565,7 +565,7 @@
             <a:spLocks noGrp="1" noChangeArrowheads="1"/>
             <a:extLst>
               <a:ext uri="smNativeData">
-                <pr:smNativeData xmlns:pr="smNativeData" val="SMDATA_13_BbpsXRMAAAAlAAAAZAAAAA8BAAAAkAAAAEgAAACQAAAASAAAAAAAAAABAAAAAAAAAAEAAABQAAAAAAAAAAAA4D8AAAAAAADgPwAAAAAAAOA/AAAAAAAA4D8AAAAAAADgPwAAAAAAAOA/AAAAAAAA4D8AAAAAAADgPwAAAAAAAOA/AAAAAAAA4D8CAAAAjAAAAAAAAAAAAAAAu+DjDP///wgAAAAAAAAAAAAAAAAAAAAAAAAAAAAAAAAAAAAAZAAAAAEAAABAAAAAAAAAAAAAAAAAAAAAAAAAAAAAAAAAAAAAAAAAAAAAAAAAAAAAAAAAAAAAAAAAAAAAAAAAAAAAAAAAAAAAAAAAAAAAAAAAAAAAAAAAAAAAAAAAAAAAFAAAADwAAAAAAAAAAAAAAAAAAAkUAAAAAQAAABQAAAAUAAAAFAAAAAEAAAAAAAAAZAAAAGQAAAAAAAAAZAAAAGQAAAAVAAAAYAAAAAAAAAAAAAAADwAAACADAAAAAAAAAAAAAAEAAACgMgAAVgcAAKr4//8BAAAAf39/AAEAAABkAAAAAAAAABQAAABAHwAAAAAAACYAAAAAAAAAwOD//wAAAAAmAAAAZAAAABYAAABMAAAAAAAAAAAAAAAEAAAAAAAAAAEAAACAgIAKAAAAACgAAAAoAAAAZAAAAGQAAAAAAAAAzMzMAAAAAABQAAAAUAAAAGQAAABkAAAAAAAAABcAAAAUAAAAAAAAAAAAAAD/fwAA/38AAAAAAAAJAAAABAAAAAAAAAAMAAAAEAAAAAAAAAAAAAAAAAAAAAAAAAAeAAAAaAAAAAAAAAAAAAAAAAAAAAAAAAAAAAAAECcAABAnAAAAAAAAAAAAAAAAAAAAAAAAAAAAAAAAAAAAAAAAAAAAABQAAAAAAAAAwMD/AAAAAABkAAAAMgAAAAAAAABkAAAAAAAAAH9/fwAKAAAAHwAAAFQAAAAAAAAFAAAAAQAAAAAAAAAAAAAAAAAAAAAAAAAAAAAAAAAAAAAAAAAAAAAAAn9/fwAAAAADzMzMAMDA/wB/f38AAAAAAAAAAAAAAAAAAAAAAAAAAAAhAAAAGAAAABQAAAA4EwAAGycAAAglAABZKQAAEAAAACYAAAAIAAAAAAAAAAAAAAA="/>
+                <pr:smNativeData xmlns:pr="smNativeData" val="SMDATA_13_IrKAXRMAAAAlAAAAZAAAAA8BAAAAkAAAAEgAAACQAAAASAAAAAAAAAABAAAAAAAAAAEAAABQAAAAAAAAAAAA4D8AAAAAAADgPwAAAAAAAOA/AAAAAAAA4D8AAAAAAADgPwAAAAAAAOA/AAAAAAAA4D8AAAAAAADgPwAAAAAAAOA/AAAAAAAA4D8CAAAAjAAAAAAAAAAAAAAAu+DjDP///wgAAAAAAAAAAAAAAAAAAAAAAAAAAAAAAAAAAAAAZAAAAAEAAABAAAAAAAAAAAAAAAAAAAAAAAAAAAAAAAAAAAAAAAAAAAAAAAAAAAAAAAAAAAAAAAAAAAAAAAAAAAAAAAAAAAAAAAAAAAAAAAAAAAAAAAAAAAAAAAAAAAAAFAAAADwAAAAAAAAAAAAAAAAAAAkUAAAAAQAAABQAAAAUAAAAFAAAAAEAAAAAAAAAZAAAAGQAAAAAAAAAZAAAAGQAAAAVAAAAYAAAAAAAAAAAAAAADwAAACADAAAAAAAAAAAAAAEAAACgMgAAVgcAAKr4//8BAAAAf39/AAEAAABkAAAAAAAAABQAAABAHwAAAAAAACYAAAAAAAAAwOD//wAAAAAmAAAAZAAAABYAAABMAAAAAAAAAAAAAAAEAAAAAAAAAAEAAACAgIAKAAAAACgAAAAoAAAAZAAAAGQAAAAAAAAAzMzMAAAAAABQAAAAUAAAAGQAAABkAAAAAAAAABcAAAAUAAAAAAAAAAAAAAD/fwAA/38AAAAAAAAJAAAABAAAAAAAAAAMAAAAEAAAAAAAAAAAAAAAAAAAAAAAAAAeAAAAaAAAAAAAAAAAAAAAAAAAAAAAAAAAAAAAECcAABAnAAAAAAAAAAAAAAAAAAAAAAAAAAAAAAAAAAAAAAAAAAAAABQAAAAAAAAAwMD/AAAAAABkAAAAMgAAAAAAAABkAAAAAAAAAH9/fwAKAAAAHwAAAFQAAAAAAAAFAAAAAQAAAAAAAAAAAAAAAAAAAAAAAAAAAAAAAAAAAAAAAAAAAAAAAn9/fwAAAAADzMzMAMDA/wB/f38AAAAAAAAAAAAAAAAAAAAAAAAAAAAhAAAAGAAAABQAAAA4EwAAGycAAAglAABZKQAAEAAAACYAAAAIAAAAAAAAAAAAAAA="/>
               </a:ext>
             </a:extLst>
           </p:cNvSpPr>
@@ -589,7 +589,7 @@
             <a:spLocks noGrp="1" noChangeArrowheads="1"/>
             <a:extLst>
               <a:ext uri="smNativeData">
-                <pr:smNativeData xmlns:pr="smNativeData" val="SMDATA_13_BbpsXRMAAAAlAAAAZAAAAA8BAAAAkAAAAEgAAACQAAAASAAAAAAAAAABAAAAAAAAAAEAAABQAAAAAAAAAAAA4D8AAAAAAADgPwAAAAAAAOA/AAAAAAAA4D8AAAAAAADgPwAAAAAAAOA/AAAAAAAA4D8AAAAAAADgPwAAAAAAAOA/AAAAAAAA4D8CAAAAjAAAAAAAAAAAAAAAu+DjDP///wgAAAAAAAAAAAAAAAAAAAAAAAAAAAAAAAAAAAAAZAAAAAEAAABAAAAAAAAAAAAAAAAAAAAAAAAAAAAAAAAAAAAAAAAAAAAAAAAAAAAAAAAAAAAAAAAAAAAAAAAAAAAAAAAAAAAAAAAAAAAAAAAAAAAAAAAAAAAAAAAAAAAAFAAAADwAAAAAAAAAAAAAAAAAAAkUAAAAAQAAABQAAAAUAAAAFAAAAAEAAAAAAAAAZAAAAGQAAAAAAAAAZAAAAGQAAAAVAAAAYAAAAAAAAAAAAAAADwAAACADAAAAAAAAAAAAAAEAAACgMgAAVgcAAKr4//8BAAAAf39/AAEAAABkAAAAAAAAABQAAABAHwAAAAAAACYAAAAAAAAAwOD//wAAAAAmAAAAZAAAABYAAABMAAAAAAAAAAAAAAAEAAAAAAAAAAEAAACAgIAKAAAAACgAAAAoAAAAZAAAAGQAAAAAAAAAzMzMAAAAAABQAAAAUAAAAGQAAABkAAAAAAAAABcAAAAUAAAAAAAAAAAAAAD/fwAA/38AAAAAAAAJAAAABAAAAC0sICAMAAAAEAAAAAAAAAAAAAAAAAAAAAAAAAAeAAAAaAAAAAAAAAAAAAAAAAAAAAAAAAAAAAAAECcAABAnAAAAAAAAAAAAAAAAAAAAAAAAAAAAAAAAAAAAAAAAAAAAABQAAAAAAAAAwMD/AAAAAABkAAAAMgAAAAAAAABkAAAAAAAAAH9/fwAKAAAAHwAAAFQAAAAAAAAFAAAAAQAAAAAAAAAAAAAAAAAAAAAAAAAAAAAAAAAAAAAAAAAAAAAAAn9/fwAAAAADzMzMAMDA/wB/f38AAAAAAAAAAAAAAAAAAAAAAAAAAAAhAAAAGAAAABQAAABQKAAAGycAAHA1AABZKQAAEAAAACYAAAAIAAAAAAAAAAAAAAA="/>
+                <pr:smNativeData xmlns:pr="smNativeData" val="SMDATA_13_IrKAXRMAAAAlAAAAZAAAAA8BAAAAkAAAAEgAAACQAAAASAAAAAAAAAABAAAAAAAAAAEAAABQAAAAAAAAAAAA4D8AAAAAAADgPwAAAAAAAOA/AAAAAAAA4D8AAAAAAADgPwAAAAAAAOA/AAAAAAAA4D8AAAAAAADgPwAAAAAAAOA/AAAAAAAA4D8CAAAAjAAAAAAAAAAAAAAAu+DjDP///wgAAAAAAAAAAAAAAAAAAAAAAAAAAAAAAAAAAAAAZAAAAAEAAABAAAAAAAAAAAAAAAAAAAAAAAAAAAAAAAAAAAAAAAAAAAAAAAAAAAAAAAAAAAAAAAAAAAAAAAAAAAAAAAAAAAAAAAAAAAAAAAAAAAAAAAAAAAAAAAAAAAAAFAAAADwAAAAAAAAAAAAAAAAAAAkUAAAAAQAAABQAAAAUAAAAFAAAAAEAAAAAAAAAZAAAAGQAAAAAAAAAZAAAAGQAAAAVAAAAYAAAAAAAAAAAAAAADwAAACADAAAAAAAAAAAAAAEAAACgMgAAVgcAAKr4//8BAAAAf39/AAEAAABkAAAAAAAAABQAAABAHwAAAAAAACYAAAAAAAAAwOD//wAAAAAmAAAAZAAAABYAAABMAAAAAAAAAAAAAAAEAAAAAAAAAAEAAACAgIAKAAAAACgAAAAoAAAAZAAAAGQAAAAAAAAAzMzMAAAAAABQAAAAUAAAAGQAAABkAAAAAAAAABcAAAAUAAAAAAAAAAAAAAD/fwAA/38AAAAAAAAJAAAABAAAAC0sICAMAAAAEAAAAAAAAAAAAAAAAAAAAAAAAAAeAAAAaAAAAAAAAAAAAAAAAAAAAAAAAAAAAAAAECcAABAnAAAAAAAAAAAAAAAAAAAAAAAAAAAAAAAAAAAAAAAAAAAAABQAAAAAAAAAwMD/AAAAAABkAAAAMgAAAAAAAABkAAAAAAAAAH9/fwAKAAAAHwAAAFQAAAAAAAAFAAAAAQAAAAAAAAAAAAAAAAAAAAAAAAAAAAAAAAAAAAAAAAAAAAAAAn9/fwAAAAADzMzMAMDA/wB/f38AAAAAAAAAAAAAAAAAAAAAAAAAAAAhAAAAGAAAABQAAABQKAAAGycAAHA1AABZKQAAEAAAACYAAAAIAAAAAAAAAAAAAAA="/>
               </a:ext>
             </a:extLst>
           </p:cNvSpPr>
@@ -603,7 +603,7 @@
           <a:lstStyle/>
           <a:p>
             <a:pPr/>
-            <a:fld id="{66605436-788B-35A2-C5D8-8EF71A9633DB}" type="slidenum">
+            <a:fld id="{53727B23-6DBE-278D-F0CA-9BD8358406CE}" type="slidenum">
               <a:t/>
             </a:fld>
           </a:p>
@@ -641,7 +641,7 @@
             <a:spLocks noGrp="1" noChangeArrowheads="1"/>
             <a:extLst>
               <a:ext uri="smNativeData">
-                <pr:smNativeData xmlns:pr="smNativeData" val="SMDATA_13_BbpsXRMAAAAlAAAAZAAAAA8BAAAAkAAAAEgAAACQAAAASAAAAAAAAAACAAAAAQAAAAEAAABQAAAAAAAAAAAA4D8AAAAAAADgPwAAAAAAAOA/AAAAAAAA4D8AAAAAAADgPwAAAAAAAOA/AAAAAAAA4D8AAAAAAADgPwAAAAAAAOA/AAAAAAAA4D8CAAAAjAAAAAAAAAAAAAAAu+DjDP///wgAAAAAAAAAAAAAAAAAAAAAAAAAAAAAAAAAAAAAZAAAAAEAAABAAAAAAAAAAAAAAAAAAAAAAAAAAAAAAAAAAAAAAAAAAAAAAAAAAAAAAAAAAAAAAAAAAAAAAAAAAAAAAAAAAAAAAAAAAAAAAAAAAAAAAAAAAAAAAAAAAAAAFAAAADwAAAAAAAAAAAAAAAAAAAkUAAAAAQAAABQAAAAUAAAAFAAAAAEAAAAAAAAAZAAAAGQAAAAAAAAAZAAAAGQAAAAVAAAAYAAAAAAAAAAAAAAADwAAACADAAAAAAAAAAAAAAEAAACgMgAAVgcAAKr4//8BAAAAf39/AAEAAABkAAAAAAAAABQAAABAHwAAAAAAACYAAAAAAAAAwOD//wAAAAAmAAAAZAAAABYAAABMAAAAAAAAAAAAAAAEAAAAAAAAAAEAAACAgIAKAAAAACgAAAAoAAAAZAAAAGQAAAAAAAAAzMzMAAAAAABQAAAAUAAAAGQAAABkAAAAAAAAABcAAAAUAAAAAAAAAAAAAAD/fwAA/38AAAAAAAAJAAAABAAAAP////8MAAAAEAAAAAAAAAAAAAAAAAAAAAAAAAAeAAAAaAAAAAAAAAAAAAAAAAAAAAAAAAAAAAAAECcAABAnAAAAAAAAAAAAAAAAAAAAAAAAAAAAAAAAAAAAAAAAAAAAABQAAAAAAAAAwMD/AAAAAABkAAAAMgAAAAAAAABkAAAAAAAAAH9/fwAKAAAAHwAAAFQAAAAAAAAFAAAAAQAAAAAAAAAAAAAAAAAAAAAAAAAAAAAAAAAAAAAAAAAAAAAAAn9/fwAAAAADzMzMAMDA/wB/f38AAAAAAAAAAAAAAAAAAAAAAAAAAAAhAAAAGAAAABQAAADIKAAAsAEAAHA1AACwJQAAEAAAACYAAAAIAAAAgwAAAAAAAAA="/>
+                <pr:smNativeData xmlns:pr="smNativeData" val="SMDATA_13_IrKAXRMAAAAlAAAAZAAAAA8BAAAAkAAAAEgAAACQAAAASAAAAAAAAAACAAAAAQAAAAEAAABQAAAAAAAAAAAA4D8AAAAAAADgPwAAAAAAAOA/AAAAAAAA4D8AAAAAAADgPwAAAAAAAOA/AAAAAAAA4D8AAAAAAADgPwAAAAAAAOA/AAAAAAAA4D8CAAAAjAAAAAAAAAAAAAAAu+DjDP///wgAAAAAAAAAAAAAAAAAAAAAAAAAAAAAAAAAAAAAZAAAAAEAAABAAAAAAAAAAAAAAAAAAAAAAAAAAAAAAAAAAAAAAAAAAAAAAAAAAAAAAAAAAAAAAAAAAAAAAAAAAAAAAAAAAAAAAAAAAAAAAAAAAAAAAAAAAAAAAAAAAAAAFAAAADwAAAAAAAAAAAAAAAAAAAkUAAAAAQAAABQAAAAUAAAAFAAAAAEAAAAAAAAAZAAAAGQAAAAAAAAAZAAAAGQAAAAVAAAAYAAAAAAAAAAAAAAADwAAACADAAAAAAAAAAAAAAEAAACgMgAAVgcAAKr4//8BAAAAf39/AAEAAABkAAAAAAAAABQAAABAHwAAAAAAACYAAAAAAAAAwOD//wAAAAAmAAAAZAAAABYAAABMAAAAAAAAAAAAAAAEAAAAAAAAAAEAAACAgIAKAAAAACgAAAAoAAAAZAAAAGQAAAAAAAAAzMzMAAAAAABQAAAAUAAAAGQAAABkAAAAAAAAABcAAAAUAAAAAAAAAAAAAAD/fwAA/38AAAAAAAAJAAAABAAAAP////8MAAAAEAAAAAAAAAAAAAAAAAAAAAAAAAAeAAAAaAAAAAAAAAAAAAAAAAAAAAAAAAAAAAAAECcAABAnAAAAAAAAAAAAAAAAAAAAAAAAAAAAAAAAAAAAAAAAAAAAABQAAAAAAAAAwMD/AAAAAABkAAAAMgAAAAAAAABkAAAAAAAAAH9/fwAKAAAAHwAAAFQAAAAAAAAFAAAAAQAAAAAAAAAAAAAAAAAAAAAAAAAAAAAAAAAAAAAAAAAAAAAAAn9/fwAAAAADzMzMAMDA/wB/f38AAAAAAAAAAAAAAAAAAAAAAAAAAAAhAAAAGAAAABQAAADIKAAAsAEAAHA1AACwJQAAEAAAACYAAAAIAAAAgwAAAAAAAAA="/>
               </a:ext>
             </a:extLst>
           </p:cNvSpPr>
@@ -677,7 +677,7 @@
             <a:spLocks noGrp="1" noChangeArrowheads="1"/>
             <a:extLst>
               <a:ext uri="smNativeData">
-                <pr:smNativeData xmlns:pr="smNativeData" val="SMDATA_13_BbpsXRMAAAAlAAAAZAAAAA8BAAAAkAAAAEgAAACQAAAASAAAAAAAAAAAAAAAAQAAAAEAAABQAAAAAAAAAAAA4D8AAAAAAADgPwAAAAAAAOA/AAAAAAAA4D8AAAAAAADgPwAAAAAAAOA/AAAAAAAA4D8AAAAAAADgPwAAAAAAAOA/AAAAAAAA4D8CAAAAjAAAAAAAAAAAAAAAu+DjDP///wgAAAAAAAAAAAAAAAAAAAAAAAAAAAAAAAAAAAAAZAAAAAEAAABAAAAAAAAAAAAAAAAAAAAAAAAAAAAAAAAAAAAAAAAAAAAAAAAAAAAAAAAAAAAAAAAAAAAAAAAAAAAAAAAAAAAAAAAAAAAAAAAAAAAAAAAAAAAAAAAAAAAAFAAAADwAAAAAAAAAAAAAAAAAAAkUAAAAAQAAABQAAAAUAAAAFAAAAAEAAAAAAAAAZAAAAGQAAAAAAAAAZAAAAGQAAAAVAAAAYAAAAAAAAAAAAAAADwAAACADAAAAAAAAAAAAAAEAAACgMgAAVgcAAKr4//8BAAAAf39/AAEAAABkAAAAAAAAABQAAABAHwAAAAAAACYAAAAAAAAAwOD//wAAAAAmAAAAZAAAABYAAABMAAAAAAAAAAAAAAAEAAAAAAAAAAEAAACAgIAKAAAAACgAAAAoAAAAZAAAAGQAAAAAAAAAzMzMAAAAAABQAAAAUAAAAGQAAABkAAAAAAAAABcAAAAUAAAAAAAAAAAAAAD/fwAA/38AAAAAAAAJAAAABAAAAAAAAAAMAAAAEAAAAAAAAAAAAAAAAAAAAAAAAAAeAAAAaAAAAAAAAAAAAAAAAAAAAAAAAAAAAAAAECcAABAnAAAAAAAAAAAAAAAAAAAAAAAAAAAAAAAAAAAAAAAAAAAAABQAAAAAAAAAwMD/AAAAAABkAAAAMgAAAAAAAABkAAAAAAAAAH9/fwAKAAAAHwAAAFQAAAAAAAAFAAAAAQAAAAAAAAAAAAAAAAAAAAAAAAAAAAAAAAAAAAAAAAAAAAAAAn9/fwAAAAADzMzMAMDA/wB/f38AAAAAAAAAAAAAAAAAAAAAAAAAAAAhAAAAGAAAABQAAADQAgAAsAEAANgnAACwJQAAEAAAACYAAAAIAAAAAwAAAAAAAAA="/>
+                <pr:smNativeData xmlns:pr="smNativeData" val="SMDATA_13_IrKAXRMAAAAlAAAAZAAAAA8BAAAAkAAAAEgAAACQAAAASAAAAAAAAAAAAAAAAQAAAAEAAABQAAAAAAAAAAAA4D8AAAAAAADgPwAAAAAAAOA/AAAAAAAA4D8AAAAAAADgPwAAAAAAAOA/AAAAAAAA4D8AAAAAAADgPwAAAAAAAOA/AAAAAAAA4D8CAAAAjAAAAAAAAAAAAAAAu+DjDP///wgAAAAAAAAAAAAAAAAAAAAAAAAAAAAAAAAAAAAAZAAAAAEAAABAAAAAAAAAAAAAAAAAAAAAAAAAAAAAAAAAAAAAAAAAAAAAAAAAAAAAAAAAAAAAAAAAAAAAAAAAAAAAAAAAAAAAAAAAAAAAAAAAAAAAAAAAAAAAAAAAAAAAFAAAADwAAAAAAAAAAAAAAAAAAAkUAAAAAQAAABQAAAAUAAAAFAAAAAEAAAAAAAAAZAAAAGQAAAAAAAAAZAAAAGQAAAAVAAAAYAAAAAAAAAAAAAAADwAAACADAAAAAAAAAAAAAAEAAACgMgAAVgcAAKr4//8BAAAAf39/AAEAAABkAAAAAAAAABQAAABAHwAAAAAAACYAAAAAAAAAwOD//wAAAAAmAAAAZAAAABYAAABMAAAAAAAAAAAAAAAEAAAAAAAAAAEAAACAgIAKAAAAACgAAAAoAAAAZAAAAGQAAAAAAAAAzMzMAAAAAABQAAAAUAAAAGQAAABkAAAAAAAAABcAAAAUAAAAAAAAAAAAAAD/fwAA/38AAAAAAAAJAAAABAAAAAAAAAAMAAAAEAAAAAAAAAAAAAAAAAAAAAAAAAAeAAAAaAAAAAAAAAAAAAAAAAAAAAAAAAAAAAAAECcAABAnAAAAAAAAAAAAAAAAAAAAAAAAAAAAAAAAAAAAAAAAAAAAABQAAAAAAAAAwMD/AAAAAABkAAAAMgAAAAAAAABkAAAAAAAAAH9/fwAKAAAAHwAAAFQAAAAAAAAFAAAAAQAAAAAAAAAAAAAAAAAAAAAAAAAAAAAAAAAAAAAAAAAAAAAAAn9/fwAAAAADzMzMAMDA/wB/f38AAAAAAAAAAAAAAAAAAAAAAAAAAAAhAAAAGAAAABQAAADQAgAAsAEAANgnAACwJQAAEAAAACYAAAAIAAAAAwAAAAAAAAA="/>
               </a:ext>
             </a:extLst>
           </p:cNvSpPr>
@@ -737,7 +737,7 @@
             <a:spLocks noGrp="1" noChangeArrowheads="1"/>
             <a:extLst>
               <a:ext uri="smNativeData">
-                <pr:smNativeData xmlns:pr="smNativeData" val="SMDATA_13_BbpsXRMAAAAlAAAAZAAAAA8BAAAAkAAAAEgAAACQAAAASAAAAAAAAAABAAAAAAAAAAEAAABQAAAAAAAAAAAA4D8AAAAAAADgPwAAAAAAAOA/AAAAAAAA4D8AAAAAAADgPwAAAAAAAOA/AAAAAAAA4D8AAAAAAADgPwAAAAAAAOA/AAAAAAAA4D8CAAAAjAAAAAAAAAAAAAAAu+DjDP///wgAAAAAAAAAAAAAAAAAAAAAAAAAAAAAAAAAAAAAZAAAAAEAAABAAAAAAAAAAAAAAAAAAAAAAAAAAAAAAAAAAAAAAAAAAAAAAAAAAAAAAAAAAAAAAAAAAAAAAAAAAAAAAAAAAAAAAAAAAAAAAAAAAAAAAAAAAAAAAAAAAAAAFAAAADwAAAAAAAAAAAAAAAAAAAkUAAAAAQAAABQAAAAUAAAAFAAAAAEAAAAAAAAAZAAAAGQAAAAAAAAAZAAAAGQAAAAVAAAAYAAAAAAAAAAAAAAADwAAACADAAAAAAAAAAAAAAEAAACgMgAAVgcAAKr4//8BAAAAf39/AAEAAABkAAAAAAAAABQAAABAHwAAAAAAACYAAAAAAAAAwOD//wAAAAAmAAAAZAAAABYAAABMAAAAAAAAAAAAAAAEAAAAAAAAAAEAAACAgIAKAAAAACgAAAAoAAAAZAAAAGQAAAAAAAAAzMzMAAAAAABQAAAAUAAAAGQAAABkAAAAAAAAABcAAAAUAAAAAAAAAAAAAAD/fwAA/38AAAAAAAAJAAAABAAAAMAaAAAMAAAAEAAAAAAAAAAAAAAAAAAAAAAAAAAeAAAAaAAAAAAAAAAAAAAAAAAAAAAAAAAAAAAAECcAABAnAAAAAAAAAAAAAAAAAAAAAAAAAAAAAAAAAAAAAAAAAAAAABQAAAAAAAAAwMD/AAAAAABkAAAAMgAAAAAAAABkAAAAAAAAAH9/fwAKAAAAHwAAAFQAAAAAAAAFAAAAAQAAAAAAAAAAAAAAAAAAAAAAAAAAAAAAAAAAAAAAAAAAAAAAAn9/fwAAAAADzMzMAMDA/wB/f38AAAAAAAAAAAAAAAAAAAAAAAAAAAAhAAAAGAAAABQAAADQAgAAGycAAPAPAABZKQAAEAAAACYAAAAIAAAAAAAAAAAAAAA="/>
+                <pr:smNativeData xmlns:pr="smNativeData" val="SMDATA_13_IrKAXRMAAAAlAAAAZAAAAA8BAAAAkAAAAEgAAACQAAAASAAAAAAAAAABAAAAAAAAAAEAAABQAAAAAAAAAAAA4D8AAAAAAADgPwAAAAAAAOA/AAAAAAAA4D8AAAAAAADgPwAAAAAAAOA/AAAAAAAA4D8AAAAAAADgPwAAAAAAAOA/AAAAAAAA4D8CAAAAjAAAAAAAAAAAAAAAu+DjDP///wgAAAAAAAAAAAAAAAAAAAAAAAAAAAAAAAAAAAAAZAAAAAEAAABAAAAAAAAAAAAAAAAAAAAAAAAAAAAAAAAAAAAAAAAAAAAAAAAAAAAAAAAAAAAAAAAAAAAAAAAAAAAAAAAAAAAAAAAAAAAAAAAAAAAAAAAAAAAAAAAAAAAAFAAAADwAAAAAAAAAAAAAAAAAAAkUAAAAAQAAABQAAAAUAAAAFAAAAAEAAAAAAAAAZAAAAGQAAAAAAAAAZAAAAGQAAAAVAAAAYAAAAAAAAAAAAAAADwAAACADAAAAAAAAAAAAAAEAAACgMgAAVgcAAKr4//8BAAAAf39/AAEAAABkAAAAAAAAABQAAABAHwAAAAAAACYAAAAAAAAAwOD//wAAAAAmAAAAZAAAABYAAABMAAAAAAAAAAAAAAAEAAAAAAAAAAEAAACAgIAKAAAAACgAAAAoAAAAZAAAAGQAAAAAAAAAzMzMAAAAAABQAAAAUAAAAGQAAABkAAAAAAAAABcAAAAUAAAAAAAAAAAAAAD/fwAA/38AAAAAAAAJAAAABAAAAMAaAAAMAAAAEAAAAAAAAAAAAAAAAAAAAAAAAAAeAAAAaAAAAAAAAAAAAAAAAAAAAAAAAAAAAAAAECcAABAnAAAAAAAAAAAAAAAAAAAAAAAAAAAAAAAAAAAAAAAAAAAAABQAAAAAAAAAwMD/AAAAAABkAAAAMgAAAAAAAABkAAAAAAAAAH9/fwAKAAAAHwAAAFQAAAAAAAAFAAAAAQAAAAAAAAAAAAAAAAAAAAAAAAAAAAAAAAAAAAAAAAAAAAAAAn9/fwAAAAADzMzMAMDA/wB/f38AAAAAAAAAAAAAAAAAAAAAAAAAAAAhAAAAGAAAABQAAADQAgAAGycAAPAPAABZKQAAEAAAACYAAAAIAAAAAAAAAAAAAAA="/>
               </a:ext>
             </a:extLst>
           </p:cNvSpPr>
@@ -751,7 +751,7 @@
           <a:lstStyle/>
           <a:p>
             <a:pPr/>
-            <a:fld id="{58982583-CDB5-CDD3-FB20-3B866B6E0D6E}" type="datetime1">
+            <a:fld id="{5D566FCD-83B0-0399-FEEE-75CC21A00820}" type="datetime1">
               <a:t/>
             </a:fld>
           </a:p>
@@ -764,7 +764,7 @@
             <a:spLocks noGrp="1" noChangeArrowheads="1"/>
             <a:extLst>
               <a:ext uri="smNativeData">
-                <pr:smNativeData xmlns:pr="smNativeData" val="SMDATA_13_BbpsXRMAAAAlAAAAZAAAAA8BAAAAkAAAAEgAAACQAAAASAAAAAAAAAABAAAAAAAAAAEAAABQAAAAAAAAAAAA4D8AAAAAAADgPwAAAAAAAOA/AAAAAAAA4D8AAAAAAADgPwAAAAAAAOA/AAAAAAAA4D8AAAAAAADgPwAAAAAAAOA/AAAAAAAA4D8CAAAAjAAAAAAAAAAAAAAAu+DjDP///wgAAAAAAAAAAAAAAAAAAAAAAAAAAAAAAAAAAAAAZAAAAAEAAABAAAAAAAAAAAAAAAAAAAAAAAAAAAAAAAAAAAAAAAAAAAAAAAAAAAAAAAAAAAAAAAAAAAAAAAAAAAAAAAAAAAAAAAAAAAAAAAAAAAAAAAAAAAAAAAAAAAAAFAAAADwAAAAAAAAAAAAAAAAAAAkUAAAAAQAAABQAAAAUAAAAFAAAAAEAAAAAAAAAZAAAAGQAAAAAAAAAZAAAAGQAAAAVAAAAYAAAAAAAAAAAAAAADwAAACADAAAAAAAAAAAAAAEAAACgMgAAVgcAAKr4//8BAAAAf39/AAEAAABkAAAAAAAAABQAAABAHwAAAAAAACYAAAAAAAAAwOD//wAAAAAmAAAAZAAAABYAAABMAAAAAAAAAAAAAAAEAAAAAAAAAAEAAACAgIAKAAAAACgAAAAoAAAAZAAAAGQAAAAAAAAAzMzMAAAAAABQAAAAUAAAAGQAAABkAAAAAAAAABcAAAAUAAAAAAAAAAAAAAD/fwAA/38AAAAAAAAJAAAABAAAAAAAAAAMAAAAEAAAAAAAAAAAAAAAAAAAAAAAAAAeAAAAaAAAAAAAAAAAAAAAAAAAAAAAAAAAAAAAECcAABAnAAAAAAAAAAAAAAAAAAAAAAAAAAAAAAAAAAAAAAAAAAAAABQAAAAAAAAAwMD/AAAAAABkAAAAMgAAAAAAAABkAAAAAAAAAH9/fwAKAAAAHwAAAFQAAAAAAAAFAAAAAQAAAAAAAAAAAAAAAAAAAAAAAAAAAAAAAAAAAAAAAAAAAAAAAn9/fwAAAAADzMzMAMDA/wB/f38AAAAAAAAAAAAAAAAAAAAAAAAAAAAhAAAAGAAAABQAAAA4EwAAGycAAAglAABZKQAAEAAAACYAAAAIAAAAAAAAAAAAAAA="/>
+                <pr:smNativeData xmlns:pr="smNativeData" val="SMDATA_13_IrKAXRMAAAAlAAAAZAAAAA8BAAAAkAAAAEgAAACQAAAASAAAAAAAAAABAAAAAAAAAAEAAABQAAAAAAAAAAAA4D8AAAAAAADgPwAAAAAAAOA/AAAAAAAA4D8AAAAAAADgPwAAAAAAAOA/AAAAAAAA4D8AAAAAAADgPwAAAAAAAOA/AAAAAAAA4D8CAAAAjAAAAAAAAAAAAAAAu+DjDP///wgAAAAAAAAAAAAAAAAAAAAAAAAAAAAAAAAAAAAAZAAAAAEAAABAAAAAAAAAAAAAAAAAAAAAAAAAAAAAAAAAAAAAAAAAAAAAAAAAAAAAAAAAAAAAAAAAAAAAAAAAAAAAAAAAAAAAAAAAAAAAAAAAAAAAAAAAAAAAAAAAAAAAFAAAADwAAAAAAAAAAAAAAAAAAAkUAAAAAQAAABQAAAAUAAAAFAAAAAEAAAAAAAAAZAAAAGQAAAAAAAAAZAAAAGQAAAAVAAAAYAAAAAAAAAAAAAAADwAAACADAAAAAAAAAAAAAAEAAACgMgAAVgcAAKr4//8BAAAAf39/AAEAAABkAAAAAAAAABQAAABAHwAAAAAAACYAAAAAAAAAwOD//wAAAAAmAAAAZAAAABYAAABMAAAAAAAAAAAAAAAEAAAAAAAAAAEAAACAgIAKAAAAACgAAAAoAAAAZAAAAGQAAAAAAAAAzMzMAAAAAABQAAAAUAAAAGQAAABkAAAAAAAAABcAAAAUAAAAAAAAAAAAAAD/fwAA/38AAAAAAAAJAAAABAAAAAAAAAAMAAAAEAAAAAAAAAAAAAAAAAAAAAAAAAAeAAAAaAAAAAAAAAAAAAAAAAAAAAAAAAAAAAAAECcAABAnAAAAAAAAAAAAAAAAAAAAAAAAAAAAAAAAAAAAAAAAAAAAABQAAAAAAAAAwMD/AAAAAABkAAAAMgAAAAAAAABkAAAAAAAAAH9/fwAKAAAAHwAAAFQAAAAAAAAFAAAAAQAAAAAAAAAAAAAAAAAAAAAAAAAAAAAAAAAAAAAAAAAAAAAAAn9/fwAAAAADzMzMAMDA/wB/f38AAAAAAAAAAAAAAAAAAAAAAAAAAAAhAAAAGAAAABQAAAA4EwAAGycAAAglAABZKQAAEAAAACYAAAAIAAAAAAAAAAAAAAA="/>
               </a:ext>
             </a:extLst>
           </p:cNvSpPr>
@@ -788,7 +788,7 @@
             <a:spLocks noGrp="1" noChangeArrowheads="1"/>
             <a:extLst>
               <a:ext uri="smNativeData">
-                <pr:smNativeData xmlns:pr="smNativeData" val="SMDATA_13_BbpsXRMAAAAlAAAAZAAAAA8BAAAAkAAAAEgAAACQAAAASAAAAAAAAAABAAAAAAAAAAEAAABQAAAAAAAAAAAA4D8AAAAAAADgPwAAAAAAAOA/AAAAAAAA4D8AAAAAAADgPwAAAAAAAOA/AAAAAAAA4D8AAAAAAADgPwAAAAAAAOA/AAAAAAAA4D8CAAAAjAAAAAAAAAAAAAAAu+DjDP///wgAAAAAAAAAAAAAAAAAAAAAAAAAAAAAAAAAAAAAZAAAAAEAAABAAAAAAAAAAAAAAAAAAAAAAAAAAAAAAAAAAAAAAAAAAAAAAAAAAAAAAAAAAAAAAAAAAAAAAAAAAAAAAAAAAAAAAAAAAAAAAAAAAAAAAAAAAAAAAAAAAAAAFAAAADwAAAAAAAAAAAAAAAAAAAkUAAAAAQAAABQAAAAUAAAAFAAAAAEAAAAAAAAAZAAAAGQAAAAAAAAAZAAAAGQAAAAVAAAAYAAAAAAAAAAAAAAADwAAACADAAAAAAAAAAAAAAEAAACgMgAAVgcAAKr4//8BAAAAf39/AAEAAABkAAAAAAAAABQAAABAHwAAAAAAACYAAAAAAAAAwOD//wAAAAAmAAAAZAAAABYAAABMAAAAAAAAAAAAAAAEAAAAAAAAAAEAAACAgIAKAAAAACgAAAAoAAAAZAAAAGQAAAAAAAAAzMzMAAAAAABQAAAAUAAAAGQAAABkAAAAAAAAABcAAAAUAAAAAAAAAAAAAAD/fwAA/38AAAAAAAAJAAAABAAAAAwFAAAMAAAAEAAAAAAAAAAAAAAAAAAAAAAAAAAeAAAAaAAAAAAAAAAAAAAAAAAAAAAAAAAAAAAAECcAABAnAAAAAAAAAAAAAAAAAAAAAAAAAAAAAAAAAAAAAAAAAAAAABQAAAAAAAAAwMD/AAAAAABkAAAAMgAAAAAAAABkAAAAAAAAAH9/fwAKAAAAHwAAAFQAAAAAAAAFAAAAAQAAAAAAAAAAAAAAAAAAAAAAAAAAAAAAAAAAAAAAAAAAAAAAAn9/fwAAAAADzMzMAMDA/wB/f38AAAAAAAAAAAAAAAAAAAAAAAAAAAAhAAAAGAAAABQAAABQKAAAGycAAHA1AABZKQAAEAAAACYAAAAIAAAAAAAAAAAAAAA="/>
+                <pr:smNativeData xmlns:pr="smNativeData" val="SMDATA_13_IrKAXRMAAAAlAAAAZAAAAA8BAAAAkAAAAEgAAACQAAAASAAAAAAAAAABAAAAAAAAAAEAAABQAAAAAAAAAAAA4D8AAAAAAADgPwAAAAAAAOA/AAAAAAAA4D8AAAAAAADgPwAAAAAAAOA/AAAAAAAA4D8AAAAAAADgPwAAAAAAAOA/AAAAAAAA4D8CAAAAjAAAAAAAAAAAAAAAu+DjDP///wgAAAAAAAAAAAAAAAAAAAAAAAAAAAAAAAAAAAAAZAAAAAEAAABAAAAAAAAAAAAAAAAAAAAAAAAAAAAAAAAAAAAAAAAAAAAAAAAAAAAAAAAAAAAAAAAAAAAAAAAAAAAAAAAAAAAAAAAAAAAAAAAAAAAAAAAAAAAAAAAAAAAAFAAAADwAAAAAAAAAAAAAAAAAAAkUAAAAAQAAABQAAAAUAAAAFAAAAAEAAAAAAAAAZAAAAGQAAAAAAAAAZAAAAGQAAAAVAAAAYAAAAAAAAAAAAAAADwAAACADAAAAAAAAAAAAAAEAAACgMgAAVgcAAKr4//8BAAAAf39/AAEAAABkAAAAAAAAABQAAABAHwAAAAAAACYAAAAAAAAAwOD//wAAAAAmAAAAZAAAABYAAABMAAAAAAAAAAAAAAAEAAAAAAAAAAEAAACAgIAKAAAAACgAAAAoAAAAZAAAAGQAAAAAAAAAzMzMAAAAAABQAAAAUAAAAGQAAABkAAAAAAAAABcAAAAUAAAAAAAAAAAAAAD/fwAA/38AAAAAAAAJAAAABAAAAAwFAAAMAAAAEAAAAAAAAAAAAAAAAAAAAAAAAAAeAAAAaAAAAAAAAAAAAAAAAAAAAAAAAAAAAAAAECcAABAnAAAAAAAAAAAAAAAAAAAAAAAAAAAAAAAAAAAAAAAAAAAAABQAAAAAAAAAwMD/AAAAAABkAAAAMgAAAAAAAABkAAAAAAAAAH9/fwAKAAAAHwAAAFQAAAAAAAAFAAAAAQAAAAAAAAAAAAAAAAAAAAAAAAAAAAAAAAAAAAAAAAAAAAAAAn9/fwAAAAADzMzMAMDA/wB/f38AAAAAAAAAAAAAAAAAAAAAAAAAAAAhAAAAGAAAABQAAABQKAAAGycAAHA1AABZKQAAEAAAACYAAAAIAAAAAAAAAAAAAAA="/>
               </a:ext>
             </a:extLst>
           </p:cNvSpPr>
@@ -802,7 +802,7 @@
           <a:lstStyle/>
           <a:p>
             <a:pPr/>
-            <a:fld id="{28612F27-69C5-34D9-8BD9-9F8C61977DCA}" type="slidenum">
+            <a:fld id="{1E41C73D-73F3-1431-BDF9-856489B74BD0}" type="slidenum">
               <a:t/>
             </a:fld>
           </a:p>
@@ -840,7 +840,7 @@
             <a:spLocks noGrp="1" noChangeArrowheads="1"/>
             <a:extLst>
               <a:ext uri="smNativeData">
-                <pr:smNativeData xmlns:pr="smNativeData" val="SMDATA_13_BbpsXRMAAAAlAAAAZAAAAA8BAAAAkAAAAEgAAACQAAAASAAAAAAAAAABAAAAAAAAAAEAAABQAAAAAAAAAAAA4D8AAAAAAADgPwAAAAAAAOA/AAAAAAAA4D8AAAAAAADgPwAAAAAAAOA/AAAAAAAA4D8AAAAAAADgPwAAAAAAAOA/AAAAAAAA4D8CAAAAjAAAAAAAAAAAAAAAu+DjDP///wgAAAAAAAAAAAAAAAAAAAAAAAAAAAAAAAAAAAAAZAAAAAEAAABAAAAAAAAAAAAAAAAAAAAAAAAAAAAAAAAAAAAAAAAAAAAAAAAAAAAAAAAAAAAAAAAAAAAAAAAAAAAAAAAAAAAAAAAAAAAAAAAAAAAAAAAAAAAAAAAAAAAAFAAAADwAAAAAAAAAAAAAAAAAAAkUAAAAAQAAABQAAAAUAAAAFAAAAAEAAAAAAAAAZAAAAGQAAAAAAAAAZAAAAGQAAAAVAAAAYAAAAAAAAAAAAAAADwAAACADAAAAAAAAAAAAAAEAAACgMgAAVgcAAKr4//8BAAAAf39/AAEAAABkAAAAAAAAABQAAABAHwAAAAAAACYAAAAAAAAAwOD//wAAAAAmAAAAZAAAABYAAABMAAAAAAAAAAAAAAAEAAAAAAAAAAEAAACAgIAKAAAAACgAAAAoAAAAZAAAAGQAAAAAAAAAzMzMAAAAAABQAAAAUAAAAGQAAABkAAAAAAAAABcAAAAUAAAAAAAAAAAAAAD/fwAA/38AAAAAAAAJAAAABAAAAAAAAAAMAAAAEAAAAAAAAAAAAAAAAAAAAAAAAAAeAAAAaAAAAAAAAAAAAAAAAAAAAAAAAAAAAAAAECcAABAnAAAAAAAAAAAAAAAAAAAAAAAAAAAAAAAAAAAAAAAAAAAAABQAAAAAAAAAwMD/AAAAAABkAAAAMgAAAAAAAABkAAAAAAAAAH9/fwAKAAAAHwAAAFQAAAAAAAAFAAAAAQAAAAAAAAAAAAAAAAAAAAAAAAAAAAAAAAAAAAAAAAAAAAAAAn9/fwAAAAADzMzMAMDA/wB/f38AAAAAAAAAAAAAAAAAAAAAAAAAAAAhAAAAGAAAABQAAADQAgAAsAEAAHA1AAC4CAAAEAAAACYAAAAIAAAAAAAAAAAAAAA="/>
+                <pr:smNativeData xmlns:pr="smNativeData" val="SMDATA_13_IrKAXRMAAAAlAAAAZAAAAA8BAAAAkAAAAEgAAACQAAAASAAAAAAAAAABAAAAAAAAAAEAAABQAAAAAAAAAAAA4D8AAAAAAADgPwAAAAAAAOA/AAAAAAAA4D8AAAAAAADgPwAAAAAAAOA/AAAAAAAA4D8AAAAAAADgPwAAAAAAAOA/AAAAAAAA4D8CAAAAjAAAAAAAAAAAAAAAu+DjDP///wgAAAAAAAAAAAAAAAAAAAAAAAAAAAAAAAAAAAAAZAAAAAEAAABAAAAAAAAAAAAAAAAAAAAAAAAAAAAAAAAAAAAAAAAAAAAAAAAAAAAAAAAAAAAAAAAAAAAAAAAAAAAAAAAAAAAAAAAAAAAAAAAAAAAAAAAAAAAAAAAAAAAAFAAAADwAAAAAAAAAAAAAAAAAAAkUAAAAAQAAABQAAAAUAAAAFAAAAAEAAAAAAAAAZAAAAGQAAAAAAAAAZAAAAGQAAAAVAAAAYAAAAAAAAAAAAAAADwAAACADAAAAAAAAAAAAAAEAAACgMgAAVgcAAKr4//8BAAAAf39/AAEAAABkAAAAAAAAABQAAABAHwAAAAAAACYAAAAAAAAAwOD//wAAAAAmAAAAZAAAABYAAABMAAAAAAAAAAAAAAAEAAAAAAAAAAEAAACAgIAKAAAAACgAAAAoAAAAZAAAAGQAAAAAAAAAzMzMAAAAAABQAAAAUAAAAGQAAABkAAAAAAAAABcAAAAUAAAAAAAAAAAAAAD/fwAA/38AAAAAAAAJAAAABAAAAAAAAAAMAAAAEAAAAAAAAAAAAAAAAAAAAAAAAAAeAAAAaAAAAAAAAAAAAAAAAAAAAAAAAAAAAAAAECcAABAnAAAAAAAAAAAAAAAAAAAAAAAAAAAAAAAAAAAAAAAAAAAAABQAAAAAAAAAwMD/AAAAAABkAAAAMgAAAAAAAABkAAAAAAAAAH9/fwAKAAAAHwAAAFQAAAAAAAAFAAAAAQAAAAAAAAAAAAAAAAAAAAAAAAAAAAAAAAAAAAAAAAAAAAAAAn9/fwAAAAADzMzMAMDA/wB/f38AAAAAAAAAAAAAAAAAAAAAAAAAAAAhAAAAGAAAABQAAADQAgAAsAEAAHA1AAC4CAAAEAAAACYAAAAIAAAAAAAAAAAAAAA="/>
               </a:ext>
             </a:extLst>
           </p:cNvSpPr>
@@ -867,7 +867,7 @@
             <a:spLocks noGrp="1" noChangeArrowheads="1"/>
             <a:extLst>
               <a:ext uri="smNativeData">
-                <pr:smNativeData xmlns:pr="smNativeData" val="SMDATA_13_BbpsXRMAAAAlAAAAZAAAAA8BAAAAkAAAAEgAAACQAAAASAAAAAAAAAAAAAAAAAAAAAEAAABQAAAAAAAAAAAA4D8AAAAAAADgPwAAAAAAAOA/AAAAAAAA4D8AAAAAAADgPwAAAAAAAOA/AAAAAAAA4D8AAAAAAADgPwAAAAAAAOA/AAAAAAAA4D8CAAAAjAAAAAAAAAAAAAAAu+DjDP///wgAAAAAAAAAAAAAAAAAAAAAAAAAAAAAAAAAAAAAZAAAAAEAAABAAAAAAAAAAAAAAAAAAAAAAAAAAAAAAAAAAAAAAAAAAAAAAAAAAAAAAAAAAAAAAAAAAAAAAAAAAAAAAAAAAAAAAAAAAAAAAAAAAAAAAAAAAAAAAAAAAAAAFAAAADwAAAAAAAAAAAAAAAAAAAkUAAAAAQAAABQAAAAUAAAAFAAAAAEAAAAAAAAAZAAAAGQAAAAAAAAAZAAAAGQAAAAVAAAAYAAAAAAAAAAAAAAADwAAACADAAAAAAAAAAAAAAEAAACgMgAAVgcAAKr4//8BAAAAf39/AAEAAABkAAAAAAAAABQAAABAHwAAAAAAACYAAAAAAAAAwOD//wAAAAAmAAAAZAAAABYAAABMAAAAAAAAAAAAAAAEAAAAAAAAAAEAAACAgIAKAAAAACgAAAAoAAAAZAAAAGQAAAAAAAAAzMzMAAAAAABQAAAAUAAAAGQAAABkAAAAAAAAABcAAAAUAAAAAAAAAAAAAAD/fwAA/38AAAAAAAAJAAAABAAAAAAABCAMAAAAEAAAAAAAAAAAAAAAAAAAAAAAAAAeAAAAaAAAAAAAAAAAAAAAAAAAAAAAAAAAAAAAECcAABAnAAAAAAAAAAAAAAAAAAAAAAAAAAAAAAAAAAAAAAAAAAAAABQAAAAAAAAAwMD/AAAAAABkAAAAMgAAAAAAAABkAAAAAAAAAH9/fwAKAAAAHwAAAFQAAAAAAAAFAAAAAQAAAAAAAAAAAAAAAAAAAAAAAAAAAAAAAAAAAAAAAAAAAAAAAn9/fwAAAAADzMzMAMDA/wB/f38AAAAAAAAAAAAAAAAAAAAAAAAAAAAhAAAAGAAAABQAAADQAgAA2AkAAHA1AACwJQAAEAAAACYAAAAIAAAAAAAAAAAAAAA="/>
+                <pr:smNativeData xmlns:pr="smNativeData" val="SMDATA_13_IrKAXRMAAAAlAAAAZAAAAA8BAAAAkAAAAEgAAACQAAAASAAAAAAAAAAAAAAAAAAAAAEAAABQAAAAAAAAAAAA4D8AAAAAAADgPwAAAAAAAOA/AAAAAAAA4D8AAAAAAADgPwAAAAAAAOA/AAAAAAAA4D8AAAAAAADgPwAAAAAAAOA/AAAAAAAA4D8CAAAAjAAAAAAAAAAAAAAAu+DjDP///wgAAAAAAAAAAAAAAAAAAAAAAAAAAAAAAAAAAAAAZAAAAAEAAABAAAAAAAAAAAAAAAAAAAAAAAAAAAAAAAAAAAAAAAAAAAAAAAAAAAAAAAAAAAAAAAAAAAAAAAAAAAAAAAAAAAAAAAAAAAAAAAAAAAAAAAAAAAAAAAAAAAAAFAAAADwAAAAAAAAAAAAAAAAAAAkUAAAAAQAAABQAAAAUAAAAFAAAAAEAAAAAAAAAZAAAAGQAAAAAAAAAZAAAAGQAAAAVAAAAYAAAAAAAAAAAAAAADwAAACADAAAAAAAAAAAAAAEAAACgMgAAVgcAAKr4//8BAAAAf39/AAEAAABkAAAAAAAAABQAAABAHwAAAAAAACYAAAAAAAAAwOD//wAAAAAmAAAAZAAAABYAAABMAAAAAAAAAAAAAAAEAAAAAAAAAAEAAACAgIAKAAAAACgAAAAoAAAAZAAAAGQAAAAAAAAAzMzMAAAAAABQAAAAUAAAAGQAAABkAAAAAAAAABcAAAAUAAAAAAAAAAAAAAD/fwAA/38AAAAAAAAJAAAABAAAAAAABCAMAAAAEAAAAAAAAAAAAAAAAAAAAAAAAAAeAAAAaAAAAAAAAAAAAAAAAAAAAAAAAAAAAAAAECcAABAnAAAAAAAAAAAAAAAAAAAAAAAAAAAAAAAAAAAAAAAAAAAAABQAAAAAAAAAwMD/AAAAAABkAAAAMgAAAAAAAABkAAAAAAAAAH9/fwAKAAAAHwAAAFQAAAAAAAAFAAAAAQAAAAAAAAAAAAAAAAAAAAAAAAAAAAAAAAAAAAAAAAAAAAAAAn9/fwAAAAADzMzMAMDA/wB/f38AAAAAAAAAAAAAAAAAAAAAAAAAAAAhAAAAGAAAABQAAADQAgAA2AkAAHA1AACwJQAAEAAAACYAAAAIAAAAAAAAAAAAAAA="/>
               </a:ext>
             </a:extLst>
           </p:cNvSpPr>
@@ -918,7 +918,7 @@
             <a:spLocks noGrp="1" noChangeArrowheads="1"/>
             <a:extLst>
               <a:ext uri="smNativeData">
-                <pr:smNativeData xmlns:pr="smNativeData" val="SMDATA_13_BbpsXRMAAAAlAAAAZAAAAA8BAAAAkAAAAEgAAACQAAAASAAAAAAAAAABAAAAAAAAAAEAAABQAAAAAAAAAAAA4D8AAAAAAADgPwAAAAAAAOA/AAAAAAAA4D8AAAAAAADgPwAAAAAAAOA/AAAAAAAA4D8AAAAAAADgPwAAAAAAAOA/AAAAAAAA4D8CAAAAjAAAAAAAAAAAAAAAu+DjDP///wgAAAAAAAAAAAAAAAAAAAAAAAAAAAAAAAAAAAAAZAAAAAEAAABAAAAAAAAAAAAAAAAAAAAAAAAAAAAAAAAAAAAAAAAAAAAAAAAAAAAAAAAAAAAAAAAAAAAAAAAAAAAAAAAAAAAAAAAAAAAAAAAAAAAAAAAAAAAAAAAAAAAAFAAAADwAAAAAAAAAAAAAAAAAAAkUAAAAAQAAABQAAAAUAAAAFAAAAAEAAAAAAAAAZAAAAGQAAAAAAAAAZAAAAGQAAAAVAAAAYAAAAAAAAAAAAAAADwAAACADAAAAAAAAAAAAAAEAAACgMgAAVgcAAKr4//8BAAAAf39/AAEAAABkAAAAAAAAABQAAABAHwAAAAAAACYAAAAAAAAAwOD//wAAAAAmAAAAZAAAABYAAABMAAAAAAAAAAAAAAAEAAAAAAAAAAEAAACAgIAKAAAAACgAAAAoAAAAZAAAAGQAAAAAAAAAzMzMAAAAAABQAAAAUAAAAGQAAABkAAAAAAAAABcAAAAUAAAAAAAAAAAAAAD/fwAA/38AAAAAAAAJAAAABAAAAAAAAAAMAAAAEAAAAAAAAAAAAAAAAAAAAAAAAAAeAAAAaAAAAAAAAAAAAAAAAAAAAAAAAAAAAAAAECcAABAnAAAAAAAAAAAAAAAAAAAAAAAAAAAAAAAAAAAAAAAAAAAAABQAAAAAAAAAwMD/AAAAAABkAAAAMgAAAAAAAABkAAAAAAAAAH9/fwAKAAAAHwAAAFQAAAAAAAAFAAAAAQAAAAAAAAAAAAAAAAAAAAAAAAAAAAAAAAAAAAAAAAAAAAAAAn9/fwAAAAADzMzMAMDA/wB/f38AAAAAAAAAAAAAAAAAAAAAAAAAAAAhAAAAGAAAABQAAADQAgAAGycAAPAPAABZKQAAEAAAACYAAAAIAAAAAAAAAAAAAAA="/>
+                <pr:smNativeData xmlns:pr="smNativeData" val="SMDATA_13_IrKAXRMAAAAlAAAAZAAAAA8BAAAAkAAAAEgAAACQAAAASAAAAAAAAAABAAAAAAAAAAEAAABQAAAAAAAAAAAA4D8AAAAAAADgPwAAAAAAAOA/AAAAAAAA4D8AAAAAAADgPwAAAAAAAOA/AAAAAAAA4D8AAAAAAADgPwAAAAAAAOA/AAAAAAAA4D8CAAAAjAAAAAAAAAAAAAAAu+DjDP///wgAAAAAAAAAAAAAAAAAAAAAAAAAAAAAAAAAAAAAZAAAAAEAAABAAAAAAAAAAAAAAAAAAAAAAAAAAAAAAAAAAAAAAAAAAAAAAAAAAAAAAAAAAAAAAAAAAAAAAAAAAAAAAAAAAAAAAAAAAAAAAAAAAAAAAAAAAAAAAAAAAAAAFAAAADwAAAAAAAAAAAAAAAAAAAkUAAAAAQAAABQAAAAUAAAAFAAAAAEAAAAAAAAAZAAAAGQAAAAAAAAAZAAAAGQAAAAVAAAAYAAAAAAAAAAAAAAADwAAACADAAAAAAAAAAAAAAEAAACgMgAAVgcAAKr4//8BAAAAf39/AAEAAABkAAAAAAAAABQAAABAHwAAAAAAACYAAAAAAAAAwOD//wAAAAAmAAAAZAAAABYAAABMAAAAAAAAAAAAAAAEAAAAAAAAAAEAAACAgIAKAAAAACgAAAAoAAAAZAAAAGQAAAAAAAAAzMzMAAAAAABQAAAAUAAAAGQAAABkAAAAAAAAABcAAAAUAAAAAAAAAAAAAAD/fwAA/38AAAAAAAAJAAAABAAAAAAAAAAMAAAAEAAAAAAAAAAAAAAAAAAAAAAAAAAeAAAAaAAAAAAAAAAAAAAAAAAAAAAAAAAAAAAAECcAABAnAAAAAAAAAAAAAAAAAAAAAAAAAAAAAAAAAAAAAAAAAAAAABQAAAAAAAAAwMD/AAAAAABkAAAAMgAAAAAAAABkAAAAAAAAAH9/fwAKAAAAHwAAAFQAAAAAAAAFAAAAAQAAAAAAAAAAAAAAAAAAAAAAAAAAAAAAAAAAAAAAAAAAAAAAAn9/fwAAAAADzMzMAMDA/wB/f38AAAAAAAAAAAAAAAAAAAAAAAAAAAAhAAAAGAAAABQAAADQAgAAGycAAPAPAABZKQAAEAAAACYAAAAIAAAAAAAAAAAAAAA="/>
               </a:ext>
             </a:extLst>
           </p:cNvSpPr>
@@ -932,7 +932,7 @@
           <a:lstStyle/>
           <a:p>
             <a:pPr/>
-            <a:fld id="{6A660E4A-0487-33F8-C9DE-F2AD40903FA7}" type="datetime1">
+            <a:fld id="{517CE1E3-ADBC-2917-F2C4-5B42AF8A040E}" type="datetime1">
               <a:t/>
             </a:fld>
           </a:p>
@@ -945,7 +945,7 @@
             <a:spLocks noGrp="1" noChangeArrowheads="1"/>
             <a:extLst>
               <a:ext uri="smNativeData">
-                <pr:smNativeData xmlns:pr="smNativeData" val="SMDATA_13_BbpsXRMAAAAlAAAAZAAAAA8BAAAAkAAAAEgAAACQAAAASAAAAAAAAAABAAAAAAAAAAEAAABQAAAAAAAAAAAA4D8AAAAAAADgPwAAAAAAAOA/AAAAAAAA4D8AAAAAAADgPwAAAAAAAOA/AAAAAAAA4D8AAAAAAADgPwAAAAAAAOA/AAAAAAAA4D8CAAAAjAAAAAAAAAAAAAAAu+DjDP///wgAAAAAAAAAAAAAAAAAAAAAAAAAAAAAAAAAAAAAZAAAAAEAAABAAAAAAAAAAAAAAAAAAAAAAAAAAAAAAAAAAAAAAAAAAAAAAAAAAAAAAAAAAAAAAAAAAAAAAAAAAAAAAAAAAAAAAAAAAAAAAAAAAAAAAAAAAAAAAAAAAAAAFAAAADwAAAAAAAAAAAAAAAAAAAkUAAAAAQAAABQAAAAUAAAAFAAAAAEAAAAAAAAAZAAAAGQAAAAAAAAAZAAAAGQAAAAVAAAAYAAAAAAAAAAAAAAADwAAACADAAAAAAAAAAAAAAEAAACgMgAAVgcAAKr4//8BAAAAf39/AAEAAABkAAAAAAAAABQAAABAHwAAAAAAACYAAAAAAAAAwOD//wAAAAAmAAAAZAAAABYAAABMAAAAAAAAAAAAAAAEAAAAAAAAAAEAAACAgIAKAAAAACgAAAAoAAAAZAAAAGQAAAAAAAAAzMzMAAAAAABQAAAAUAAAAGQAAABkAAAAAAAAABcAAAAUAAAAAAAAAAAAAAD/fwAA/38AAAAAAAAJAAAABAAAAHvY//8MAAAAEAAAAAAAAAAAAAAAAAAAAAAAAAAeAAAAaAAAAAAAAAAAAAAAAAAAAAAAAAAAAAAAECcAABAnAAAAAAAAAAAAAAAAAAAAAAAAAAAAAAAAAAAAAAAAAAAAABQAAAAAAAAAwMD/AAAAAABkAAAAMgAAAAAAAABkAAAAAAAAAH9/fwAKAAAAHwAAAFQAAAAAAAAFAAAAAQAAAAAAAAAAAAAAAAAAAAAAAAAAAAAAAAAAAAAAAAAAAAAAAn9/fwAAAAADzMzMAMDA/wB/f38AAAAAAAAAAAAAAAAAAAAAAAAAAAAhAAAAGAAAABQAAAA4EwAAGycAAAglAABZKQAAEAAAACYAAAAIAAAAAAAAAAAAAAA="/>
+                <pr:smNativeData xmlns:pr="smNativeData" val="SMDATA_13_IrKAXRMAAAAlAAAAZAAAAA8BAAAAkAAAAEgAAACQAAAASAAAAAAAAAABAAAAAAAAAAEAAABQAAAAAAAAAAAA4D8AAAAAAADgPwAAAAAAAOA/AAAAAAAA4D8AAAAAAADgPwAAAAAAAOA/AAAAAAAA4D8AAAAAAADgPwAAAAAAAOA/AAAAAAAA4D8CAAAAjAAAAAAAAAAAAAAAu+DjDP///wgAAAAAAAAAAAAAAAAAAAAAAAAAAAAAAAAAAAAAZAAAAAEAAABAAAAAAAAAAAAAAAAAAAAAAAAAAAAAAAAAAAAAAAAAAAAAAAAAAAAAAAAAAAAAAAAAAAAAAAAAAAAAAAAAAAAAAAAAAAAAAAAAAAAAAAAAAAAAAAAAAAAAFAAAADwAAAAAAAAAAAAAAAAAAAkUAAAAAQAAABQAAAAUAAAAFAAAAAEAAAAAAAAAZAAAAGQAAAAAAAAAZAAAAGQAAAAVAAAAYAAAAAAAAAAAAAAADwAAACADAAAAAAAAAAAAAAEAAACgMgAAVgcAAKr4//8BAAAAf39/AAEAAABkAAAAAAAAABQAAABAHwAAAAAAACYAAAAAAAAAwOD//wAAAAAmAAAAZAAAABYAAABMAAAAAAAAAAAAAAAEAAAAAAAAAAEAAACAgIAKAAAAACgAAAAoAAAAZAAAAGQAAAAAAAAAzMzMAAAAAABQAAAAUAAAAGQAAABkAAAAAAAAABcAAAAUAAAAAAAAAAAAAAD/fwAA/38AAAAAAAAJAAAABAAAAHvY//8MAAAAEAAAAAAAAAAAAAAAAAAAAAAAAAAeAAAAaAAAAAAAAAAAAAAAAAAAAAAAAAAAAAAAECcAABAnAAAAAAAAAAAAAAAAAAAAAAAAAAAAAAAAAAAAAAAAAAAAABQAAAAAAAAAwMD/AAAAAABkAAAAMgAAAAAAAABkAAAAAAAAAH9/fwAKAAAAHwAAAFQAAAAAAAAFAAAAAQAAAAAAAAAAAAAAAAAAAAAAAAAAAAAAAAAAAAAAAAAAAAAAAn9/fwAAAAADzMzMAMDA/wB/f38AAAAAAAAAAAAAAAAAAAAAAAAAAAAhAAAAGAAAABQAAAA4EwAAGycAAAglAABZKQAAEAAAACYAAAAIAAAAAAAAAAAAAAA="/>
               </a:ext>
             </a:extLst>
           </p:cNvSpPr>
@@ -969,7 +969,7 @@
             <a:spLocks noGrp="1" noChangeArrowheads="1"/>
             <a:extLst>
               <a:ext uri="smNativeData">
-                <pr:smNativeData xmlns:pr="smNativeData" val="SMDATA_13_BbpsXRMAAAAlAAAAZAAAAA8BAAAAkAAAAEgAAACQAAAASAAAAAAAAAABAAAAAAAAAAEAAABQAAAAAAAAAAAA4D8AAAAAAADgPwAAAAAAAOA/AAAAAAAA4D8AAAAAAADgPwAAAAAAAOA/AAAAAAAA4D8AAAAAAADgPwAAAAAAAOA/AAAAAAAA4D8CAAAAjAAAAAAAAAAAAAAAu+DjDP///wgAAAAAAAAAAAAAAAAAAAAAAAAAAAAAAAAAAAAAZAAAAAEAAABAAAAAAAAAAAAAAAAAAAAAAAAAAAAAAAAAAAAAAAAAAAAAAAAAAAAAAAAAAAAAAAAAAAAAAAAAAAAAAAAAAAAAAAAAAAAAAAAAAAAAAAAAAAAAAAAAAAAAFAAAADwAAAAAAAAAAAAAAAAAAAkUAAAAAQAAABQAAAAUAAAAFAAAAAEAAAAAAAAAZAAAAGQAAAAAAAAAZAAAAGQAAAAVAAAAYAAAAAAAAAAAAAAADwAAACADAAAAAAAAAAAAAAEAAACgMgAAVgcAAKr4//8BAAAAf39/AAEAAABkAAAAAAAAABQAAABAHwAAAAAAACYAAAAAAAAAwOD//wAAAAAmAAAAZAAAABYAAABMAAAAAAAAAAAAAAAEAAAAAAAAAAEAAACAgIAKAAAAACgAAAAoAAAAZAAAAGQAAAAAAAAAzMzMAAAAAABQAAAAUAAAAGQAAABkAAAAAAAAABcAAAAUAAAAAAAAAAAAAAD/fwAA/38AAAAAAAAJAAAABAAAAAAAAAAMAAAAEAAAAAAAAAAAAAAAAAAAAAAAAAAeAAAAaAAAAAAAAAAAAAAAAAAAAAAAAAAAAAAAECcAABAnAAAAAAAAAAAAAAAAAAAAAAAAAAAAAAAAAAAAAAAAAAAAABQAAAAAAAAAwMD/AAAAAABkAAAAMgAAAAAAAABkAAAAAAAAAH9/fwAKAAAAHwAAAFQAAAAAAAAFAAAAAQAAAAAAAAAAAAAAAAAAAAAAAAAAAAAAAAAAAAAAAAAAAAAAAn9/fwAAAAADzMzMAMDA/wB/f38AAAAAAAAAAAAAAAAAAAAAAAAAAAAhAAAAGAAAABQAAABQKAAAGycAAHA1AABZKQAAEAAAACYAAAAIAAAAAAAAAAAAAAA="/>
+                <pr:smNativeData xmlns:pr="smNativeData" val="SMDATA_13_IrKAXRMAAAAlAAAAZAAAAA8BAAAAkAAAAEgAAACQAAAASAAAAAAAAAABAAAAAAAAAAEAAABQAAAAAAAAAAAA4D8AAAAAAADgPwAAAAAAAOA/AAAAAAAA4D8AAAAAAADgPwAAAAAAAOA/AAAAAAAA4D8AAAAAAADgPwAAAAAAAOA/AAAAAAAA4D8CAAAAjAAAAAAAAAAAAAAAu+DjDP///wgAAAAAAAAAAAAAAAAAAAAAAAAAAAAAAAAAAAAAZAAAAAEAAABAAAAAAAAAAAAAAAAAAAAAAAAAAAAAAAAAAAAAAAAAAAAAAAAAAAAAAAAAAAAAAAAAAAAAAAAAAAAAAAAAAAAAAAAAAAAAAAAAAAAAAAAAAAAAAAAAAAAAFAAAADwAAAAAAAAAAAAAAAAAAAkUAAAAAQAAABQAAAAUAAAAFAAAAAEAAAAAAAAAZAAAAGQAAAAAAAAAZAAAAGQAAAAVAAAAYAAAAAAAAAAAAAAADwAAACADAAAAAAAAAAAAAAEAAACgMgAAVgcAAKr4//8BAAAAf39/AAEAAABkAAAAAAAAABQAAABAHwAAAAAAACYAAAAAAAAAwOD//wAAAAAmAAAAZAAAABYAAABMAAAAAAAAAAAAAAAEAAAAAAAAAAEAAACAgIAKAAAAACgAAAAoAAAAZAAAAGQAAAAAAAAAzMzMAAAAAABQAAAAUAAAAGQAAABkAAAAAAAAABcAAAAUAAAAAAAAAAAAAAD/fwAA/38AAAAAAAAJAAAABAAAAAAAAAAMAAAAEAAAAAAAAAAAAAAAAAAAAAAAAAAeAAAAaAAAAAAAAAAAAAAAAAAAAAAAAAAAAAAAECcAABAnAAAAAAAAAAAAAAAAAAAAAAAAAAAAAAAAAAAAAAAAAAAAABQAAAAAAAAAwMD/AAAAAABkAAAAMgAAAAAAAABkAAAAAAAAAH9/fwAKAAAAHwAAAFQAAAAAAAAFAAAAAQAAAAAAAAAAAAAAAAAAAAAAAAAAAAAAAAAAAAAAAAAAAAAAAn9/fwAAAAADzMzMAMDA/wB/f38AAAAAAAAAAAAAAAAAAAAAAAAAAAAhAAAAGAAAABQAAABQKAAAGycAAHA1AABZKQAAEAAAACYAAAAIAAAAAAAAAAAAAAA="/>
               </a:ext>
             </a:extLst>
           </p:cNvSpPr>
@@ -983,7 +983,7 @@
           <a:lstStyle/>
           <a:p>
             <a:pPr/>
-            <a:fld id="{53BCD86B-25BE-E92E-F004-D37B964A0686}" type="slidenum">
+            <a:fld id="{759A69C6-8898-CF9F-D622-7ECA276C202B}" type="slidenum">
               <a:t/>
             </a:fld>
           </a:p>
@@ -1021,7 +1021,7 @@
             <a:spLocks noGrp="1" noChangeArrowheads="1"/>
             <a:extLst>
               <a:ext uri="smNativeData">
-                <pr:smNativeData xmlns:pr="smNativeData" val="SMDATA_13_BbpsXRMAAAAlAAAAZAAAAA8BAAAAkAAAAEgAAACQAAAASAAAAAAAAAAAAAAAAAAAAAEAAABQAAAAAAAAAAAA4D8AAAAAAADgPwAAAAAAAOA/AAAAAAAA4D8AAAAAAADgPwAAAAAAAOA/AAAAAAAA4D8AAAAAAADgPwAAAAAAAOA/AAAAAAAA4D8CAAAAjAAAAAAAAAAAAAAAu+DjDP///wgAAAAAAAAAAAAAAAAAAAAAAAAAAAAAAAAAAAAAZAAAAAEAAABAAAAAAAAAAAAAAAAAAAAAAAAAAAAAAAAAAAAAAAAAAAAAAAAAAAAAAAAAAAAAAAAAAAAAAAAAAAAAAAAAAAAAAAAAAAAAAAAAAAAAAAAAAAAAAAAAAAAAFAAAADwAAAAAAAAAAAAAAAAAAAkUAAAAAQAAABQAAAAUAAAAFAAAAAEAAAAAAAAAZAAAAGQAAAAAAAAAZAAAAGQAAAAVAAAAYAAAAAAAAAAAAAAADwAAACADAAAAAAAAAAAAAAEAAACgMgAAVgcAAKr4//8BAAAAf39/AAEAAABkAAAAAAAAABQAAABAHwAAAAAAACYAAAAAAAAAwOD//wAAAAAmAAAAZAAAABYAAABMAAAAAAAAAAAAAAAEAAAAAAAAAAEAAACAgIAKAAAAACgAAAAoAAAAZAAAAGQAAAAAAAAAzMzMAAAAAABQAAAAUAAAAGQAAABkAAAAAAAAABcAAAAUAAAAAAAAAAAAAAD/fwAA/38AAAAAAAAJAAAABAAAAAAAAAAMAAAAEAAAAAAAAAAAAAAAAAAAAAAAAAAeAAAAaAAAAAAAAAAAAAAAAAAAAAAAAAAAAAAAECcAABAnAAAAAAAAAAAAAAAAAAAAAAAAAAAAAAAAAAAAAAAAAAAAABQAAAAAAAAAwMD/AAAAAABkAAAAMgAAAAAAAABkAAAAAAAAAH9/fwAKAAAAHwAAAFQAAAAAAAAFAAAAAQAAAAAAAAAAAAAAAAAAAAAAAAAAAAAAAAAAAAAAAAAAAAAAAn9/fwAAAAADzMzMAMDA/wB/f38AAAAAAAAAAAAAAAAAAAAAAAAAAAAhAAAAGAAAABQAAAByBAAAHBsAAEI0AAB9IwAAEAAAACYAAAAIAAAAgYAAAAAAAAA="/>
+                <pr:smNativeData xmlns:pr="smNativeData" val="SMDATA_13_IrKAXRMAAAAlAAAAZAAAAA8BAAAAkAAAAEgAAACQAAAASAAAAAAAAAAAAAAAAAAAAAEAAABQAAAAAAAAAAAA4D8AAAAAAADgPwAAAAAAAOA/AAAAAAAA4D8AAAAAAADgPwAAAAAAAOA/AAAAAAAA4D8AAAAAAADgPwAAAAAAAOA/AAAAAAAA4D8CAAAAjAAAAAAAAAAAAAAAu+DjDP///wgAAAAAAAAAAAAAAAAAAAAAAAAAAAAAAAAAAAAAZAAAAAEAAABAAAAAAAAAAAAAAAAAAAAAAAAAAAAAAAAAAAAAAAAAAAAAAAAAAAAAAAAAAAAAAAAAAAAAAAAAAAAAAAAAAAAAAAAAAAAAAAAAAAAAAAAAAAAAAAAAAAAAFAAAADwAAAAAAAAAAAAAAAAAAAkUAAAAAQAAABQAAAAUAAAAFAAAAAEAAAAAAAAAZAAAAGQAAAAAAAAAZAAAAGQAAAAVAAAAYAAAAAAAAAAAAAAADwAAACADAAAAAAAAAAAAAAEAAACgMgAAVgcAAKr4//8BAAAAf39/AAEAAABkAAAAAAAAABQAAABAHwAAAAAAACYAAAAAAAAAwOD//wAAAAAmAAAAZAAAABYAAABMAAAAAAAAAAAAAAAEAAAAAAAAAAEAAACAgIAKAAAAACgAAAAoAAAAZAAAAGQAAAAAAAAAzMzMAAAAAABQAAAAUAAAAGQAAABkAAAAAAAAABcAAAAUAAAAAAAAAAAAAAD/fwAA/38AAAAAAAAJAAAABAAAAAAAAAAMAAAAEAAAAAAAAAAAAAAAAAAAAAAAAAAeAAAAaAAAAAAAAAAAAAAAAAAAAAAAAAAAAAAAECcAABAnAAAAAAAAAAAAAAAAAAAAAAAAAAAAAAAAAAAAAAAAAAAAABQAAAAAAAAAwMD/AAAAAABkAAAAMgAAAAAAAABkAAAAAAAAAH9/fwAKAAAAHwAAAFQAAAAAAAAFAAAAAQAAAAAAAAAAAAAAAAAAAAAAAAAAAAAAAAAAAAAAAAAAAAAAAn9/fwAAAAADzMzMAMDA/wB/f38AAAAAAAAAAAAAAAAAAAAAAAAAAAAhAAAAGAAAABQAAAByBAAAHBsAAEI0AAB9IwAAEAAAACYAAAAIAAAAgYAAAAAAAAA="/>
               </a:ext>
             </a:extLst>
           </p:cNvSpPr>
@@ -1063,7 +1063,7 @@
             <a:spLocks noGrp="1" noChangeArrowheads="1"/>
             <a:extLst>
               <a:ext uri="smNativeData">
-                <pr:smNativeData xmlns:pr="smNativeData" val="SMDATA_13_BbpsXRMAAAAlAAAAZAAAAA8BAAAAkAAAAEgAAACQAAAASAAAAAAAAAACAAAAAAAAAAEAAABQAAAAAAAAAAAA4D8AAAAAAADgPwAAAAAAAOA/AAAAAAAA4D8AAAAAAADgPwAAAAAAAOA/AAAAAAAA4D8AAAAAAADgPwAAAAAAAOA/AAAAAAAA4D8CAAAAjAAAAAAAAAAAAAAAu+DjDP///wgAAAAAAAAAAAAAAAAAAAAAAAAAAAAAAAAAAAAAZAAAAAEAAABAAAAAAAAAAAAAAAAAAAAAAAAAAAAAAAAAAAAAAAAAAAAAAAAAAAAAAAAAAAAAAAAAAAAAAAAAAAAAAAAAAAAAAAAAAAAAAAAAAAAAAAAAAAAAAAAAAAAAFAAAADwAAAAAAAAAAAAAAAAAAAkUAAAAAQAAABQAAAAUAAAAFAAAAAEAAAAAAAAAZAAAAGQAAAAAAAAAZAAAAGQAAAAVAAAAYAAAAAAAAAAAAAAADwAAACADAAAAAAAAAAAAAAEAAACgMgAAVgcAAKr4//8BAAAAf39/AAEAAABkAAAAAAAAABQAAABAHwAAAAAAACYAAAAAAAAAwOD//wAAAAAmAAAAZAAAABYAAABMAAAAAAAAAAAAAAAEAAAAAAAAAAEAAACAgIAKAAAAACgAAAAoAAAAZAAAAGQAAAAAAAAAzMzMAAAAAABQAAAAUAAAAGQAAABkAAAAAAAAABcAAAAUAAAAAAAAAAAAAAD/fwAA/38AAAAAAAAJAAAABAAAAAAAAAAMAAAAEAAAAAAAAAAAAAAAAAAAAAAAAAAeAAAAaAAAAAAAAAAAAAAAAAAAAAAAAAAAAAAAECcAABAnAAAAAAAAAAAAAAAAAAAAAAAAAAAAAAAAAAAAAAAAAAAAABQAAAAAAAAAwMD/AAAAAABkAAAAMgAAAAAAAABkAAAAAAAAAH9/fwAKAAAAHwAAAFQAAAAAAAAFAAAAAQAAAAAAAAAAAAAAAAAAAAAAAAAAAAAAAAAAAAAAAAAAAAAAAn9/fwAAAAADzMzMAMDA/wB/f38AAAAAAAAAAAAAAAAAAAAAAAAAAAAhAAAAGAAAABQAAAByBAAA4REAAEI0AAAcGwAAEAAAACYAAAAIAAAAgYAAAAAAAAA="/>
+                <pr:smNativeData xmlns:pr="smNativeData" val="SMDATA_13_IrKAXRMAAAAlAAAAZAAAAA8BAAAAkAAAAEgAAACQAAAASAAAAAAAAAACAAAAAAAAAAEAAABQAAAAAAAAAAAA4D8AAAAAAADgPwAAAAAAAOA/AAAAAAAA4D8AAAAAAADgPwAAAAAAAOA/AAAAAAAA4D8AAAAAAADgPwAAAAAAAOA/AAAAAAAA4D8CAAAAjAAAAAAAAAAAAAAAu+DjDP///wgAAAAAAAAAAAAAAAAAAAAAAAAAAAAAAAAAAAAAZAAAAAEAAABAAAAAAAAAAAAAAAAAAAAAAAAAAAAAAAAAAAAAAAAAAAAAAAAAAAAAAAAAAAAAAAAAAAAAAAAAAAAAAAAAAAAAAAAAAAAAAAAAAAAAAAAAAAAAAAAAAAAAFAAAADwAAAAAAAAAAAAAAAAAAAkUAAAAAQAAABQAAAAUAAAAFAAAAAEAAAAAAAAAZAAAAGQAAAAAAAAAZAAAAGQAAAAVAAAAYAAAAAAAAAAAAAAADwAAACADAAAAAAAAAAAAAAEAAACgMgAAVgcAAKr4//8BAAAAf39/AAEAAABkAAAAAAAAABQAAABAHwAAAAAAACYAAAAAAAAAwOD//wAAAAAmAAAAZAAAABYAAABMAAAAAAAAAAAAAAAEAAAAAAAAAAEAAACAgIAKAAAAACgAAAAoAAAAZAAAAGQAAAAAAAAAzMzMAAAAAABQAAAAUAAAAGQAAABkAAAAAAAAABcAAAAUAAAAAAAAAAAAAAD/fwAA/38AAAAAAAAJAAAABAAAAAAAAAAMAAAAEAAAAAAAAAAAAAAAAAAAAAAAAAAeAAAAaAAAAAAAAAAAAAAAAAAAAAAAAAAAAAAAECcAABAnAAAAAAAAAAAAAAAAAAAAAAAAAAAAAAAAAAAAAAAAAAAAABQAAAAAAAAAwMD/AAAAAABkAAAAMgAAAAAAAABkAAAAAAAAAH9/fwAKAAAAHwAAAFQAAAAAAAAFAAAAAQAAAAAAAAAAAAAAAAAAAAAAAAAAAAAAAAAAAAAAAAAAAAAAAn9/fwAAAAADzMzMAMDA/wB/f38AAAAAAAAAAAAAAAAAAAAAAAAAAAAhAAAAGAAAABQAAAByBAAA4REAAEI0AAAcGwAAEAAAACYAAAAIAAAAgYAAAAAAAAA="/>
               </a:ext>
             </a:extLst>
           </p:cNvSpPr>
@@ -1160,7 +1160,7 @@
             <a:spLocks noGrp="1" noChangeArrowheads="1"/>
             <a:extLst>
               <a:ext uri="smNativeData">
-                <pr:smNativeData xmlns:pr="smNativeData" val="SMDATA_13_BbpsXRMAAAAlAAAAZAAAAA8BAAAAkAAAAEgAAACQAAAASAAAAAAAAAABAAAAAAAAAAEAAABQAAAAAAAAAAAA4D8AAAAAAADgPwAAAAAAAOA/AAAAAAAA4D8AAAAAAADgPwAAAAAAAOA/AAAAAAAA4D8AAAAAAADgPwAAAAAAAOA/AAAAAAAA4D8CAAAAjAAAAAAAAAAAAAAAu+DjDP///wgAAAAAAAAAAAAAAAAAAAAAAAAAAAAAAAAAAAAAZAAAAAEAAABAAAAAAAAAAAAAAAAAAAAAAAAAAAAAAAAAAAAAAAAAAAAAAAAAAAAAAAAAAAAAAAAAAAAAAAAAAAAAAAAAAAAAAAAAAAAAAAAAAAAAAAAAAAAAAAAAAAAAFAAAADwAAAAAAAAAAAAAAAAAAAkUAAAAAQAAABQAAAAUAAAAFAAAAAEAAAAAAAAAZAAAAGQAAAAAAAAAZAAAAGQAAAAVAAAAYAAAAAAAAAAAAAAADwAAACADAAAAAAAAAAAAAAEAAACgMgAAVgcAAKr4//8BAAAAf39/AAEAAABkAAAAAAAAABQAAABAHwAAAAAAACYAAAAAAAAAwOD//wAAAAAmAAAAZAAAABYAAABMAAAAAAAAAAAAAAAEAAAAAAAAAAEAAACAgIAKAAAAACgAAAAoAAAAZAAAAGQAAAAAAAAAzMzMAAAAAABQAAAAUAAAAGQAAABkAAAAAAAAABcAAAAUAAAAAAAAAAAAAAD/fwAA/38AAAAAAAAJAAAABAAAAAAAAAAMAAAAEAAAAAAAAAAAAAAAAAAAAAAAAAAeAAAAaAAAAAAAAAAAAAAAAAAAAAAAAAAAAAAAECcAABAnAAAAAAAAAAAAAAAAAAAAAAAAAAAAAAAAAAAAAAAAAAAAABQAAAAAAAAAwMD/AAAAAABkAAAAMgAAAAAAAABkAAAAAAAAAH9/fwAKAAAAHwAAAFQAAAAAAAAFAAAAAQAAAAAAAAAAAAAAAAAAAAAAAAAAAAAAAAAAAAAAAAAAAAAAAn9/fwAAAAADzMzMAMDA/wB/f38AAAAAAAAAAAAAAAAAAAAAAAAAAAAhAAAAGAAAABQAAADQAgAAGycAAPAPAABZKQAAEAAAACYAAAAIAAAAAAAAAAAAAAA="/>
+                <pr:smNativeData xmlns:pr="smNativeData" val="SMDATA_13_IrKAXRMAAAAlAAAAZAAAAA8BAAAAkAAAAEgAAACQAAAASAAAAAAAAAABAAAAAAAAAAEAAABQAAAAAAAAAAAA4D8AAAAAAADgPwAAAAAAAOA/AAAAAAAA4D8AAAAAAADgPwAAAAAAAOA/AAAAAAAA4D8AAAAAAADgPwAAAAAAAOA/AAAAAAAA4D8CAAAAjAAAAAAAAAAAAAAAu+DjDP///wgAAAAAAAAAAAAAAAAAAAAAAAAAAAAAAAAAAAAAZAAAAAEAAABAAAAAAAAAAAAAAAAAAAAAAAAAAAAAAAAAAAAAAAAAAAAAAAAAAAAAAAAAAAAAAAAAAAAAAAAAAAAAAAAAAAAAAAAAAAAAAAAAAAAAAAAAAAAAAAAAAAAAFAAAADwAAAAAAAAAAAAAAAAAAAkUAAAAAQAAABQAAAAUAAAAFAAAAAEAAAAAAAAAZAAAAGQAAAAAAAAAZAAAAGQAAAAVAAAAYAAAAAAAAAAAAAAADwAAACADAAAAAAAAAAAAAAEAAACgMgAAVgcAAKr4//8BAAAAf39/AAEAAABkAAAAAAAAABQAAABAHwAAAAAAACYAAAAAAAAAwOD//wAAAAAmAAAAZAAAABYAAABMAAAAAAAAAAAAAAAEAAAAAAAAAAEAAACAgIAKAAAAACgAAAAoAAAAZAAAAGQAAAAAAAAAzMzMAAAAAABQAAAAUAAAAGQAAABkAAAAAAAAABcAAAAUAAAAAAAAAAAAAAD/fwAA/38AAAAAAAAJAAAABAAAAAAAAAAMAAAAEAAAAAAAAAAAAAAAAAAAAAAAAAAeAAAAaAAAAAAAAAAAAAAAAAAAAAAAAAAAAAAAECcAABAnAAAAAAAAAAAAAAAAAAAAAAAAAAAAAAAAAAAAAAAAAAAAABQAAAAAAAAAwMD/AAAAAABkAAAAMgAAAAAAAABkAAAAAAAAAH9/fwAKAAAAHwAAAFQAAAAAAAAFAAAAAQAAAAAAAAAAAAAAAAAAAAAAAAAAAAAAAAAAAAAAAAAAAAAAAn9/fwAAAAADzMzMAMDA/wB/f38AAAAAAAAAAAAAAAAAAAAAAAAAAAAhAAAAGAAAABQAAADQAgAAGycAAPAPAABZKQAAEAAAACYAAAAIAAAAAAAAAAAAAAA="/>
               </a:ext>
             </a:extLst>
           </p:cNvSpPr>
@@ -1174,7 +1174,7 @@
           <a:lstStyle/>
           <a:p>
             <a:pPr/>
-            <a:fld id="{02B1E3BF-F1EF-E415-A109-0740AD475752}" type="datetime1">
+            <a:fld id="{46264170-3EAB-73B7-E59E-C8E20FD0139D}" type="datetime1">
               <a:t/>
             </a:fld>
           </a:p>
@@ -1187,7 +1187,7 @@
             <a:spLocks noGrp="1" noChangeArrowheads="1"/>
             <a:extLst>
               <a:ext uri="smNativeData">
-                <pr:smNativeData xmlns:pr="smNativeData" val="SMDATA_13_BbpsXRMAAAAlAAAAZAAAAA8BAAAAkAAAAEgAAACQAAAASAAAAAAAAAABAAAAAAAAAAEAAABQAAAAAAAAAAAA4D8AAAAAAADgPwAAAAAAAOA/AAAAAAAA4D8AAAAAAADgPwAAAAAAAOA/AAAAAAAA4D8AAAAAAADgPwAAAAAAAOA/AAAAAAAA4D8CAAAAjAAAAAAAAAAAAAAAu+DjDP///wgAAAAAAAAAAAAAAAAAAAAAAAAAAAAAAAAAAAAAZAAAAAEAAABAAAAAAAAAAAAAAAAAAAAAAAAAAAAAAAAAAAAAAAAAAAAAAAAAAAAAAAAAAAAAAAAAAAAAAAAAAAAAAAAAAAAAAAAAAAAAAAAAAAAAAAAAAAAAAAAAAAAAFAAAADwAAAAAAAAAAAAAAAAAAAkUAAAAAQAAABQAAAAUAAAAFAAAAAEAAAAAAAAAZAAAAGQAAAAAAAAAZAAAAGQAAAAVAAAAYAAAAAAAAAAAAAAADwAAACADAAAAAAAAAAAAAAEAAACgMgAAVgcAAKr4//8BAAAAf39/AAEAAABkAAAAAAAAABQAAABAHwAAAAAAACYAAAAAAAAAwOD//wAAAAAmAAAAZAAAABYAAABMAAAAAAAAAAAAAAAEAAAAAAAAAAEAAACAgIAKAAAAACgAAAAoAAAAZAAAAGQAAAAAAAAAzMzMAAAAAABQAAAAUAAAAGQAAABkAAAAAAAAABcAAAAUAAAAAAAAAAAAAAD/fwAA/38AAAAAAAAJAAAABAAAAAAAAAAMAAAAEAAAAAAAAAAAAAAAAAAAAAAAAAAeAAAAaAAAAAAAAAAAAAAAAAAAAAAAAAAAAAAAECcAABAnAAAAAAAAAAAAAAAAAAAAAAAAAAAAAAAAAAAAAAAAAAAAABQAAAAAAAAAwMD/AAAAAABkAAAAMgAAAAAAAABkAAAAAAAAAH9/fwAKAAAAHwAAAFQAAAAAAAAFAAAAAQAAAAAAAAAAAAAAAAAAAAAAAAAAAAAAAAAAAAAAAAAAAAAAAn9/fwAAAAADzMzMAMDA/wB/f38AAAAAAAAAAAAAAAAAAAAAAAAAAAAhAAAAGAAAABQAAAA4EwAAGycAAAglAABZKQAAEAAAACYAAAAIAAAAAAAAAAAAAAA="/>
+                <pr:smNativeData xmlns:pr="smNativeData" val="SMDATA_13_IrKAXRMAAAAlAAAAZAAAAA8BAAAAkAAAAEgAAACQAAAASAAAAAAAAAABAAAAAAAAAAEAAABQAAAAAAAAAAAA4D8AAAAAAADgPwAAAAAAAOA/AAAAAAAA4D8AAAAAAADgPwAAAAAAAOA/AAAAAAAA4D8AAAAAAADgPwAAAAAAAOA/AAAAAAAA4D8CAAAAjAAAAAAAAAAAAAAAu+DjDP///wgAAAAAAAAAAAAAAAAAAAAAAAAAAAAAAAAAAAAAZAAAAAEAAABAAAAAAAAAAAAAAAAAAAAAAAAAAAAAAAAAAAAAAAAAAAAAAAAAAAAAAAAAAAAAAAAAAAAAAAAAAAAAAAAAAAAAAAAAAAAAAAAAAAAAAAAAAAAAAAAAAAAAFAAAADwAAAAAAAAAAAAAAAAAAAkUAAAAAQAAABQAAAAUAAAAFAAAAAEAAAAAAAAAZAAAAGQAAAAAAAAAZAAAAGQAAAAVAAAAYAAAAAAAAAAAAAAADwAAACADAAAAAAAAAAAAAAEAAACgMgAAVgcAAKr4//8BAAAAf39/AAEAAABkAAAAAAAAABQAAABAHwAAAAAAACYAAAAAAAAAwOD//wAAAAAmAAAAZAAAABYAAABMAAAAAAAAAAAAAAAEAAAAAAAAAAEAAACAgIAKAAAAACgAAAAoAAAAZAAAAGQAAAAAAAAAzMzMAAAAAABQAAAAUAAAAGQAAABkAAAAAAAAABcAAAAUAAAAAAAAAAAAAAD/fwAA/38AAAAAAAAJAAAABAAAAAAAAAAMAAAAEAAAAAAAAAAAAAAAAAAAAAAAAAAeAAAAaAAAAAAAAAAAAAAAAAAAAAAAAAAAAAAAECcAABAnAAAAAAAAAAAAAAAAAAAAAAAAAAAAAAAAAAAAAAAAAAAAABQAAAAAAAAAwMD/AAAAAABkAAAAMgAAAAAAAABkAAAAAAAAAH9/fwAKAAAAHwAAAFQAAAAAAAAFAAAAAQAAAAAAAAAAAAAAAAAAAAAAAAAAAAAAAAAAAAAAAAAAAAAAAn9/fwAAAAADzMzMAMDA/wB/f38AAAAAAAAAAAAAAAAAAAAAAAAAAAAhAAAAGAAAABQAAAA4EwAAGycAAAglAABZKQAAEAAAACYAAAAIAAAAAAAAAAAAAAA="/>
               </a:ext>
             </a:extLst>
           </p:cNvSpPr>
@@ -1211,7 +1211,7 @@
             <a:spLocks noGrp="1" noChangeArrowheads="1"/>
             <a:extLst>
               <a:ext uri="smNativeData">
-                <pr:smNativeData xmlns:pr="smNativeData" val="SMDATA_13_BbpsXRMAAAAlAAAAZAAAAA8BAAAAkAAAAEgAAACQAAAASAAAAAAAAAABAAAAAAAAAAEAAABQAAAAAAAAAAAA4D8AAAAAAADgPwAAAAAAAOA/AAAAAAAA4D8AAAAAAADgPwAAAAAAAOA/AAAAAAAA4D8AAAAAAADgPwAAAAAAAOA/AAAAAAAA4D8CAAAAjAAAAAAAAAAAAAAAu+DjDP///wgAAAAAAAAAAAAAAAAAAAAAAAAAAAAAAAAAAAAAZAAAAAEAAABAAAAAAAAAAAAAAAAAAAAAAAAAAAAAAAAAAAAAAAAAAAAAAAAAAAAAAAAAAAAAAAAAAAAAAAAAAAAAAAAAAAAAAAAAAAAAAAAAAAAAAAAAAAAAAAAAAAAAFAAAADwAAAAAAAAAAAAAAAAAAAkUAAAAAQAAABQAAAAUAAAAFAAAAAEAAAAAAAAAZAAAAGQAAAAAAAAAZAAAAGQAAAAVAAAAYAAAAAAAAAAAAAAADwAAACADAAAAAAAAAAAAAAEAAACgMgAAVgcAAKr4//8BAAAAf39/AAEAAABkAAAAAAAAABQAAABAHwAAAAAAACYAAAAAAAAAwOD//wAAAAAmAAAAZAAAABYAAABMAAAAAAAAAAAAAAAEAAAAAAAAAAEAAACAgIAKAAAAACgAAAAoAAAAZAAAAGQAAAAAAAAAzMzMAAAAAABQAAAAUAAAAGQAAABkAAAAAAAAABcAAAAUAAAAAAAAAAAAAAD/fwAA/38AAAAAAAAJAAAABAAAAAAAAAAMAAAAEAAAAAAAAAAAAAAAAAAAAAAAAAAeAAAAaAAAAAAAAAAAAAAAAAAAAAAAAAAAAAAAECcAABAnAAAAAAAAAAAAAAAAAAAAAAAAAAAAAAAAAAAAAAAAAAAAABQAAAAAAAAAwMD/AAAAAABkAAAAMgAAAAAAAABkAAAAAAAAAH9/fwAKAAAAHwAAAFQAAAAAAAAFAAAAAQAAAAAAAAAAAAAAAAAAAAAAAAAAAAAAAAAAAAAAAAAAAAAAAn9/fwAAAAADzMzMAMDA/wB/f38AAAAAAAAAAAAAAAAAAAAAAAAAAAAhAAAAGAAAABQAAABQKAAAGycAAHA1AABZKQAAEAAAACYAAAAIAAAAAAAAAAAAAAA="/>
+                <pr:smNativeData xmlns:pr="smNativeData" val="SMDATA_13_IrKAXRMAAAAlAAAAZAAAAA8BAAAAkAAAAEgAAACQAAAASAAAAAAAAAABAAAAAAAAAAEAAABQAAAAAAAAAAAA4D8AAAAAAADgPwAAAAAAAOA/AAAAAAAA4D8AAAAAAADgPwAAAAAAAOA/AAAAAAAA4D8AAAAAAADgPwAAAAAAAOA/AAAAAAAA4D8CAAAAjAAAAAAAAAAAAAAAu+DjDP///wgAAAAAAAAAAAAAAAAAAAAAAAAAAAAAAAAAAAAAZAAAAAEAAABAAAAAAAAAAAAAAAAAAAAAAAAAAAAAAAAAAAAAAAAAAAAAAAAAAAAAAAAAAAAAAAAAAAAAAAAAAAAAAAAAAAAAAAAAAAAAAAAAAAAAAAAAAAAAAAAAAAAAFAAAADwAAAAAAAAAAAAAAAAAAAkUAAAAAQAAABQAAAAUAAAAFAAAAAEAAAAAAAAAZAAAAGQAAAAAAAAAZAAAAGQAAAAVAAAAYAAAAAAAAAAAAAAADwAAACADAAAAAAAAAAAAAAEAAACgMgAAVgcAAKr4//8BAAAAf39/AAEAAABkAAAAAAAAABQAAABAHwAAAAAAACYAAAAAAAAAwOD//wAAAAAmAAAAZAAAABYAAABMAAAAAAAAAAAAAAAEAAAAAAAAAAEAAACAgIAKAAAAACgAAAAoAAAAZAAAAGQAAAAAAAAAzMzMAAAAAABQAAAAUAAAAGQAAABkAAAAAAAAABcAAAAUAAAAAAAAAAAAAAD/fwAA/38AAAAAAAAJAAAABAAAAAAAAAAMAAAAEAAAAAAAAAAAAAAAAAAAAAAAAAAeAAAAaAAAAAAAAAAAAAAAAAAAAAAAAAAAAAAAECcAABAnAAAAAAAAAAAAAAAAAAAAAAAAAAAAAAAAAAAAAAAAAAAAABQAAAAAAAAAwMD/AAAAAABkAAAAMgAAAAAAAABkAAAAAAAAAH9/fwAKAAAAHwAAAFQAAAAAAAAFAAAAAQAAAAAAAAAAAAAAAAAAAAAAAAAAAAAAAAAAAAAAAAAAAAAAAn9/fwAAAAADzMzMAMDA/wB/f38AAAAAAAAAAAAAAAAAAAAAAAAAAAAhAAAAGAAAABQAAABQKAAAGycAAHA1AABZKQAAEAAAACYAAAAIAAAAAAAAAAAAAAA="/>
               </a:ext>
             </a:extLst>
           </p:cNvSpPr>
@@ -1225,7 +1225,7 @@
           <a:lstStyle/>
           <a:p>
             <a:pPr/>
-            <a:fld id="{54840C4B-05B9-D1FA-F73C-F3AF427201A6}" type="slidenum">
+            <a:fld id="{576B4DA8-E6BA-3EBB-F4D3-10EE039D0245}" type="slidenum">
               <a:t/>
             </a:fld>
           </a:p>
@@ -1263,7 +1263,7 @@
             <a:spLocks noGrp="1" noChangeArrowheads="1"/>
             <a:extLst>
               <a:ext uri="smNativeData">
-                <pr:smNativeData xmlns:pr="smNativeData" val="SMDATA_13_BbpsXRMAAAAlAAAAZAAAAA8BAAAAkAAAAEgAAACQAAAASAAAAAAAAAABAAAAAAAAAAEAAABQAAAAAAAAAAAA4D8AAAAAAADgPwAAAAAAAOA/AAAAAAAA4D8AAAAAAADgPwAAAAAAAOA/AAAAAAAA4D8AAAAAAADgPwAAAAAAAOA/AAAAAAAA4D8CAAAAjAAAAAAAAAAAAAAAu+DjDP///wgAAAAAAAAAAAAAAAAAAAAAAAAAAAAAAAAAAAAAZAAAAAEAAABAAAAAAAAAAAAAAAAAAAAAAAAAAAAAAAAAAAAAAAAAAAAAAAAAAAAAAAAAAAAAAAAAAAAAAAAAAAAAAAAAAAAAAAAAAAAAAAAAAAAAAAAAAAAAAAAAAAAAFAAAADwAAAAAAAAAAAAAAAAAAAkUAAAAAQAAABQAAAAUAAAAFAAAAAEAAAAAAAAAZAAAAGQAAAAAAAAAZAAAAGQAAAAVAAAAYAAAAAAAAAAAAAAADwAAACADAAAAAAAAAAAAAAEAAACgMgAAVgcAAKr4//8BAAAAf39/AAEAAABkAAAAAAAAABQAAABAHwAAAAAAACYAAAAAAAAAwOD//wAAAAAmAAAAZAAAABYAAABMAAAAAAAAAAAAAAAEAAAAAAAAAAEAAACAgIAKAAAAACgAAAAoAAAAZAAAAGQAAAAAAAAAzMzMAAAAAABQAAAAUAAAAGQAAABkAAAAAAAAABcAAAAUAAAAAAAAAAAAAAD/fwAA/38AAAAAAAAJAAAABAAAAAAAAAAMAAAAEAAAAAAAAAAAAAAAAAAAAAAAAAAeAAAAaAAAAAAAAAAAAAAAAAAAAAAAAAAAAAAAECcAABAnAAAAAAAAAAAAAAAAAAAAAAAAAAAAAAAAAAAAAAAAAAAAABQAAAAAAAAAwMD/AAAAAABkAAAAMgAAAAAAAABkAAAAAAAAAH9/fwAKAAAAHwAAAFQAAAAAAAAFAAAAAQAAAAAAAAAAAAAAAAAAAAAAAAAAAAAAAAAAAAAAAAAAAAAAAn9/fwAAAAADzMzMAMDA/wB/f38AAAAAAAAAAAAAAAAAAAAAAAAAAAAhAAAAGAAAABQAAADQAgAAsAEAAHA1AAC4CAAAEAAAACYAAAAIAAAAAAAAAAAAAAA="/>
+                <pr:smNativeData xmlns:pr="smNativeData" val="SMDATA_13_IrKAXRMAAAAlAAAAZAAAAA8BAAAAkAAAAEgAAACQAAAASAAAAAAAAAABAAAAAAAAAAEAAABQAAAAAAAAAAAA4D8AAAAAAADgPwAAAAAAAOA/AAAAAAAA4D8AAAAAAADgPwAAAAAAAOA/AAAAAAAA4D8AAAAAAADgPwAAAAAAAOA/AAAAAAAA4D8CAAAAjAAAAAAAAAAAAAAAu+DjDP///wgAAAAAAAAAAAAAAAAAAAAAAAAAAAAAAAAAAAAAZAAAAAEAAABAAAAAAAAAAAAAAAAAAAAAAAAAAAAAAAAAAAAAAAAAAAAAAAAAAAAAAAAAAAAAAAAAAAAAAAAAAAAAAAAAAAAAAAAAAAAAAAAAAAAAAAAAAAAAAAAAAAAAFAAAADwAAAAAAAAAAAAAAAAAAAkUAAAAAQAAABQAAAAUAAAAFAAAAAEAAAAAAAAAZAAAAGQAAAAAAAAAZAAAAGQAAAAVAAAAYAAAAAAAAAAAAAAADwAAACADAAAAAAAAAAAAAAEAAACgMgAAVgcAAKr4//8BAAAAf39/AAEAAABkAAAAAAAAABQAAABAHwAAAAAAACYAAAAAAAAAwOD//wAAAAAmAAAAZAAAABYAAABMAAAAAAAAAAAAAAAEAAAAAAAAAAEAAACAgIAKAAAAACgAAAAoAAAAZAAAAGQAAAAAAAAAzMzMAAAAAABQAAAAUAAAAGQAAABkAAAAAAAAABcAAAAUAAAAAAAAAAAAAAD/fwAA/38AAAAAAAAJAAAABAAAAAAAAAAMAAAAEAAAAAAAAAAAAAAAAAAAAAAAAAAeAAAAaAAAAAAAAAAAAAAAAAAAAAAAAAAAAAAAECcAABAnAAAAAAAAAAAAAAAAAAAAAAAAAAAAAAAAAAAAAAAAAAAAABQAAAAAAAAAwMD/AAAAAABkAAAAMgAAAAAAAABkAAAAAAAAAH9/fwAKAAAAHwAAAFQAAAAAAAAFAAAAAQAAAAAAAAAAAAAAAAAAAAAAAAAAAAAAAAAAAAAAAAAAAAAAAn9/fwAAAAADzMzMAMDA/wB/f38AAAAAAAAAAAAAAAAAAAAAAAAAAAAhAAAAGAAAABQAAADQAgAAsAEAAHA1AAC4CAAAEAAAACYAAAAIAAAAAAAAAAAAAAA="/>
               </a:ext>
             </a:extLst>
           </p:cNvSpPr>
@@ -1290,7 +1290,7 @@
             <a:spLocks noGrp="1" noChangeArrowheads="1"/>
             <a:extLst>
               <a:ext uri="smNativeData">
-                <pr:smNativeData xmlns:pr="smNativeData" val="SMDATA_13_BbpsXRMAAAAlAAAAZAAAAA8BAAAAkAAAAEgAAACQAAAASAAAAAAAAAAAAAAAAAAAAAEAAABQAAAAAAAAAAAA4D8AAAAAAADgPwAAAAAAAOA/AAAAAAAA4D8AAAAAAADgPwAAAAAAAOA/AAAAAAAA4D8AAAAAAADgPwAAAAAAAOA/AAAAAAAA4D8CAAAAjAAAAAAAAAAAAAAAu+DjDP///wgAAAAAAAAAAAAAAAAAAAAAAAAAAAAAAAAAAAAAZAAAAAEAAABAAAAAAAAAAAAAAAAAAAAAAAAAAAAAAAAAAAAAAAAAAAAAAAAAAAAAAAAAAAAAAAAAAAAAAAAAAAAAAAAAAAAAAAAAAAAAAAAAAAAAAAAAAAAAAAAAAAAAFAAAADwAAAAAAAAAAAAAAAAAAAkUAAAAAQAAABQAAAAUAAAAFAAAAAEAAAAAAAAAZAAAAGQAAAAAAAAAZAAAAGQAAAAVAAAAYAAAAAAAAAAAAAAADwAAACADAAAAAAAAAAAAAAEAAACgMgAAVgcAAKr4//8BAAAAf39/AAEAAABkAAAAAAAAABQAAABAHwAAAAAAACYAAAAAAAAAwOD//wAAAAAmAAAAZAAAABYAAABMAAAAAAAAAAAAAAAEAAAAAAAAAAEAAACAgIAKAAAAACgAAAAoAAAAZAAAAGQAAAAAAAAAzMzMAAAAAABQAAAAUAAAAGQAAABkAAAAAAAAABcAAAAUAAAAAAAAAAAAAAD/fwAA/38AAAAAAAAJAAAABAAAAAAAAAAMAAAAEAAAAAAAAAAAAAAAAAAAAAAAAAAeAAAAaAAAAAAAAAAAAAAAAAAAAAAAAAAAAAAAECcAABAnAAAAAAAAAAAAAAAAAAAAAAAAAAAAAAAAAAAAAAAAAAAAABQAAAAAAAAAwMD/AAAAAABkAAAAMgAAAAAAAABkAAAAAAAAAH9/fwAKAAAAHwAAAFQAAAAAAAAFAAAAAQAAAAAAAAAAAAAAAAAAAAAAAAAAAAAAAAAAAAAAAAAAAAAAAn9/fwAAAAADzMzMAMDA/wB/f38AAAAAAAAAAAAAAAAAAAAAAAAAAAAhAAAAGAAAABQAAADQAgAA2AkAAKgbAACwJQAAEAAAACYAAAAIAAAAAYAAAAAAAAA="/>
+                <pr:smNativeData xmlns:pr="smNativeData" val="SMDATA_13_IrKAXRMAAAAlAAAAZAAAAA8BAAAAkAAAAEgAAACQAAAASAAAAAAAAAAAAAAAAAAAAAEAAABQAAAAAAAAAAAA4D8AAAAAAADgPwAAAAAAAOA/AAAAAAAA4D8AAAAAAADgPwAAAAAAAOA/AAAAAAAA4D8AAAAAAADgPwAAAAAAAOA/AAAAAAAA4D8CAAAAjAAAAAAAAAAAAAAAu+DjDP///wgAAAAAAAAAAAAAAAAAAAAAAAAAAAAAAAAAAAAAZAAAAAEAAABAAAAAAAAAAAAAAAAAAAAAAAAAAAAAAAAAAAAAAAAAAAAAAAAAAAAAAAAAAAAAAAAAAAAAAAAAAAAAAAAAAAAAAAAAAAAAAAAAAAAAAAAAAAAAAAAAAAAAFAAAADwAAAAAAAAAAAAAAAAAAAkUAAAAAQAAABQAAAAUAAAAFAAAAAEAAAAAAAAAZAAAAGQAAAAAAAAAZAAAAGQAAAAVAAAAYAAAAAAAAAAAAAAADwAAACADAAAAAAAAAAAAAAEAAACgMgAAVgcAAKr4//8BAAAAf39/AAEAAABkAAAAAAAAABQAAABAHwAAAAAAACYAAAAAAAAAwOD//wAAAAAmAAAAZAAAABYAAABMAAAAAAAAAAAAAAAEAAAAAAAAAAEAAACAgIAKAAAAACgAAAAoAAAAZAAAAGQAAAAAAAAAzMzMAAAAAABQAAAAUAAAAGQAAABkAAAAAAAAABcAAAAUAAAAAAAAAAAAAAD/fwAA/38AAAAAAAAJAAAABAAAAAAAAAAMAAAAEAAAAAAAAAAAAAAAAAAAAAAAAAAeAAAAaAAAAAAAAAAAAAAAAAAAAAAAAAAAAAAAECcAABAnAAAAAAAAAAAAAAAAAAAAAAAAAAAAAAAAAAAAAAAAAAAAABQAAAAAAAAAwMD/AAAAAABkAAAAMgAAAAAAAABkAAAAAAAAAH9/fwAKAAAAHwAAAFQAAAAAAAAFAAAAAQAAAAAAAAAAAAAAAAAAAAAAAAAAAAAAAAAAAAAAAAAAAAAAAn9/fwAAAAADzMzMAMDA/wB/f38AAAAAAAAAAAAAAAAAAAAAAAAAAAAhAAAAGAAAABQAAADQAgAA2AkAAKgbAACwJQAAEAAAACYAAAAIAAAAAYAAAAAAAAA="/>
               </a:ext>
             </a:extLst>
           </p:cNvSpPr>
@@ -1374,7 +1374,7 @@
             <a:spLocks noGrp="1" noChangeArrowheads="1"/>
             <a:extLst>
               <a:ext uri="smNativeData">
-                <pr:smNativeData xmlns:pr="smNativeData" val="SMDATA_13_BbpsXRMAAAAlAAAAZAAAAA8BAAAAkAAAAEgAAACQAAAASAAAAAAAAAAAAAAAAAAAAAEAAABQAAAAAAAAAAAA4D8AAAAAAADgPwAAAAAAAOA/AAAAAAAA4D8AAAAAAADgPwAAAAAAAOA/AAAAAAAA4D8AAAAAAADgPwAAAAAAAOA/AAAAAAAA4D8CAAAAjAAAAAAAAAAAAAAAu+DjDP///wgAAAAAAAAAAAAAAAAAAAAAAAAAAAAAAAAAAAAAZAAAAAEAAABAAAAAAAAAAAAAAAAAAAAAAAAAAAAAAAAAAAAAAAAAAAAAAAAAAAAAAAAAAAAAAAAAAAAAAAAAAAAAAAAAAAAAAAAAAAAAAAAAAAAAAAAAAAAAAAAAAAAAFAAAADwAAAAAAAAAAAAAAAAAAAkUAAAAAQAAABQAAAAUAAAAFAAAAAEAAAAAAAAAZAAAAGQAAAAAAAAAZAAAAGQAAAAVAAAAYAAAAAAAAAAAAAAADwAAACADAAAAAAAAAAAAAAEAAACgMgAAVgcAAKr4//8BAAAAf39/AAEAAABkAAAAAAAAABQAAABAHwAAAAAAACYAAAAAAAAAwOD//wAAAAAmAAAAZAAAABYAAABMAAAAAAAAAAAAAAAEAAAAAAAAAAEAAACAgIAKAAAAACgAAAAoAAAAZAAAAGQAAAAAAAAAzMzMAAAAAABQAAAAUAAAAGQAAABkAAAAAAAAABcAAAAUAAAAAAAAAAAAAAD/fwAA/38AAAAAAAAJAAAABAAAAAAAAAAMAAAAEAAAAAAAAAAAAAAAAAAAAAAAAAAeAAAAaAAAAAAAAAAAAAAAAAAAAAAAAAAAAAAAECcAABAnAAAAAAAAAAAAAAAAAAAAAAAAAAAAAAAAAAAAAAAAAAAAABQAAAAAAAAAwMD/AAAAAABkAAAAMgAAAAAAAABkAAAAAAAAAH9/fwAKAAAAHwAAAFQAAAAAAAAFAAAAAQAAAAAAAAAAAAAAAAAAAAAAAAAAAAAAAAAAAAAAAAAAAAAAAn9/fwAAAAADzMzMAMDA/wB/f38AAAAAAAAAAAAAAAAAAAAAAAAAAAAhAAAAGAAAABQAAACYHAAA2AkAAHA1AACwJQAAEAAAACYAAAAIAAAAAYAAAAAAAAA="/>
+                <pr:smNativeData xmlns:pr="smNativeData" val="SMDATA_13_IrKAXRMAAAAlAAAAZAAAAA8BAAAAkAAAAEgAAACQAAAASAAAAAAAAAAAAAAAAAAAAAEAAABQAAAAAAAAAAAA4D8AAAAAAADgPwAAAAAAAOA/AAAAAAAA4D8AAAAAAADgPwAAAAAAAOA/AAAAAAAA4D8AAAAAAADgPwAAAAAAAOA/AAAAAAAA4D8CAAAAjAAAAAAAAAAAAAAAu+DjDP///wgAAAAAAAAAAAAAAAAAAAAAAAAAAAAAAAAAAAAAZAAAAAEAAABAAAAAAAAAAAAAAAAAAAAAAAAAAAAAAAAAAAAAAAAAAAAAAAAAAAAAAAAAAAAAAAAAAAAAAAAAAAAAAAAAAAAAAAAAAAAAAAAAAAAAAAAAAAAAAAAAAAAAFAAAADwAAAAAAAAAAAAAAAAAAAkUAAAAAQAAABQAAAAUAAAAFAAAAAEAAAAAAAAAZAAAAGQAAAAAAAAAZAAAAGQAAAAVAAAAYAAAAAAAAAAAAAAADwAAACADAAAAAAAAAAAAAAEAAACgMgAAVgcAAKr4//8BAAAAf39/AAEAAABkAAAAAAAAABQAAABAHwAAAAAAACYAAAAAAAAAwOD//wAAAAAmAAAAZAAAABYAAABMAAAAAAAAAAAAAAAEAAAAAAAAAAEAAACAgIAKAAAAACgAAAAoAAAAZAAAAGQAAAAAAAAAzMzMAAAAAABQAAAAUAAAAGQAAABkAAAAAAAAABcAAAAUAAAAAAAAAAAAAAD/fwAA/38AAAAAAAAJAAAABAAAAAAAAAAMAAAAEAAAAAAAAAAAAAAAAAAAAAAAAAAeAAAAaAAAAAAAAAAAAAAAAAAAAAAAAAAAAAAAECcAABAnAAAAAAAAAAAAAAAAAAAAAAAAAAAAAAAAAAAAAAAAAAAAABQAAAAAAAAAwMD/AAAAAABkAAAAMgAAAAAAAABkAAAAAAAAAH9/fwAKAAAAHwAAAFQAAAAAAAAFAAAAAQAAAAAAAAAAAAAAAAAAAAAAAAAAAAAAAAAAAAAAAAAAAAAAAn9/fwAAAAADzMzMAMDA/wB/f38AAAAAAAAAAAAAAAAAAAAAAAAAAAAhAAAAGAAAABQAAACYHAAA2AkAAHA1AACwJQAAEAAAACYAAAAIAAAAAYAAAAAAAAA="/>
               </a:ext>
             </a:extLst>
           </p:cNvSpPr>
@@ -1458,7 +1458,7 @@
             <a:spLocks noGrp="1" noChangeArrowheads="1"/>
             <a:extLst>
               <a:ext uri="smNativeData">
-                <pr:smNativeData xmlns:pr="smNativeData" val="SMDATA_13_BbpsXRMAAAAlAAAAZAAAAA8BAAAAkAAAAEgAAACQAAAASAAAAAAAAAABAAAAAAAAAAEAAABQAAAAAAAAAAAA4D8AAAAAAADgPwAAAAAAAOA/AAAAAAAA4D8AAAAAAADgPwAAAAAAAOA/AAAAAAAA4D8AAAAAAADgPwAAAAAAAOA/AAAAAAAA4D8CAAAAjAAAAAAAAAAAAAAAu+DjDP///wgAAAAAAAAAAAAAAAAAAAAAAAAAAAAAAAAAAAAAZAAAAAEAAABAAAAAAAAAAAAAAAAAAAAAAAAAAAAAAAAAAAAAAAAAAAAAAAAAAAAAAAAAAAAAAAAAAAAAAAAAAAAAAAAAAAAAAAAAAAAAAAAAAAAAAAAAAAAAAAAAAAAAFAAAADwAAAAAAAAAAAAAAAAAAAkUAAAAAQAAABQAAAAUAAAAFAAAAAEAAAAAAAAAZAAAAGQAAAAAAAAAZAAAAGQAAAAVAAAAYAAAAAAAAAAAAAAADwAAACADAAAAAAAAAAAAAAEAAACgMgAAVgcAAKr4//8BAAAAf39/AAEAAABkAAAAAAAAABQAAABAHwAAAAAAACYAAAAAAAAAwOD//wAAAAAmAAAAZAAAABYAAABMAAAAAAAAAAAAAAAEAAAAAAAAAAEAAACAgIAKAAAAACgAAAAoAAAAZAAAAGQAAAAAAAAAzMzMAAAAAABQAAAAUAAAAGQAAABkAAAAAAAAABcAAAAUAAAAAAAAAAAAAAD/fwAA/38AAAAAAAAJAAAABAAAAAAAAAAMAAAAEAAAAAAAAAAAAAAAAAAAAAAAAAAeAAAAaAAAAAAAAAAAAAAAAAAAAAAAAAAAAAAAECcAABAnAAAAAAAAAAAAAAAAAAAAAAAAAAAAAAAAAAAAAAAAAAAAABQAAAAAAAAAwMD/AAAAAABkAAAAMgAAAAAAAABkAAAAAAAAAH9/fwAKAAAAHwAAAFQAAAAAAAAFAAAAAQAAAAAAAAAAAAAAAAAAAAAAAAAAAAAAAAAAAAAAAAAAAAAAAn9/fwAAAAADzMzMAMDA/wB/f38AAAAAAAAAAAAAAAAAAAAAAAAAAAAhAAAAGAAAABQAAADQAgAAGycAAPAPAABZKQAAEAAAACYAAAAIAAAAAAAAAAAAAAA="/>
+                <pr:smNativeData xmlns:pr="smNativeData" val="SMDATA_13_IrKAXRMAAAAlAAAAZAAAAA8BAAAAkAAAAEgAAACQAAAASAAAAAAAAAABAAAAAAAAAAEAAABQAAAAAAAAAAAA4D8AAAAAAADgPwAAAAAAAOA/AAAAAAAA4D8AAAAAAADgPwAAAAAAAOA/AAAAAAAA4D8AAAAAAADgPwAAAAAAAOA/AAAAAAAA4D8CAAAAjAAAAAAAAAAAAAAAu+DjDP///wgAAAAAAAAAAAAAAAAAAAAAAAAAAAAAAAAAAAAAZAAAAAEAAABAAAAAAAAAAAAAAAAAAAAAAAAAAAAAAAAAAAAAAAAAAAAAAAAAAAAAAAAAAAAAAAAAAAAAAAAAAAAAAAAAAAAAAAAAAAAAAAAAAAAAAAAAAAAAAAAAAAAAFAAAADwAAAAAAAAAAAAAAAAAAAkUAAAAAQAAABQAAAAUAAAAFAAAAAEAAAAAAAAAZAAAAGQAAAAAAAAAZAAAAGQAAAAVAAAAYAAAAAAAAAAAAAAADwAAACADAAAAAAAAAAAAAAEAAACgMgAAVgcAAKr4//8BAAAAf39/AAEAAABkAAAAAAAAABQAAABAHwAAAAAAACYAAAAAAAAAwOD//wAAAAAmAAAAZAAAABYAAABMAAAAAAAAAAAAAAAEAAAAAAAAAAEAAACAgIAKAAAAACgAAAAoAAAAZAAAAGQAAAAAAAAAzMzMAAAAAABQAAAAUAAAAGQAAABkAAAAAAAAABcAAAAUAAAAAAAAAAAAAAD/fwAA/38AAAAAAAAJAAAABAAAAAAAAAAMAAAAEAAAAAAAAAAAAAAAAAAAAAAAAAAeAAAAaAAAAAAAAAAAAAAAAAAAAAAAAAAAAAAAECcAABAnAAAAAAAAAAAAAAAAAAAAAAAAAAAAAAAAAAAAAAAAAAAAABQAAAAAAAAAwMD/AAAAAABkAAAAMgAAAAAAAABkAAAAAAAAAH9/fwAKAAAAHwAAAFQAAAAAAAAFAAAAAQAAAAAAAAAAAAAAAAAAAAAAAAAAAAAAAAAAAAAAAAAAAAAAAn9/fwAAAAADzMzMAMDA/wB/f38AAAAAAAAAAAAAAAAAAAAAAAAAAAAhAAAAGAAAABQAAADQAgAAGycAAPAPAABZKQAAEAAAACYAAAAIAAAAAAAAAAAAAAA="/>
               </a:ext>
             </a:extLst>
           </p:cNvSpPr>
@@ -1472,7 +1472,7 @@
           <a:lstStyle/>
           <a:p>
             <a:pPr/>
-            <a:fld id="{6F2E6A57-1982-7B9C-CC96-EFC924D83ABA}" type="datetime1">
+            <a:fld id="{1F04E4FF-B1F2-5112-BCBC-4747AAF24A12}" type="datetime1">
               <a:t/>
             </a:fld>
           </a:p>
@@ -1485,7 +1485,7 @@
             <a:spLocks noGrp="1" noChangeArrowheads="1"/>
             <a:extLst>
               <a:ext uri="smNativeData">
-                <pr:smNativeData xmlns:pr="smNativeData" val="SMDATA_13_BbpsXRMAAAAlAAAAZAAAAA8BAAAAkAAAAEgAAACQAAAASAAAAAAAAAABAAAAAAAAAAEAAABQAAAAAAAAAAAA4D8AAAAAAADgPwAAAAAAAOA/AAAAAAAA4D8AAAAAAADgPwAAAAAAAOA/AAAAAAAA4D8AAAAAAADgPwAAAAAAAOA/AAAAAAAA4D8CAAAAjAAAAAAAAAAAAAAAu+DjDP///wgAAAAAAAAAAAAAAAAAAAAAAAAAAAAAAAAAAAAAZAAAAAEAAABAAAAAAAAAAAAAAAAAAAAAAAAAAAAAAAAAAAAAAAAAAAAAAAAAAAAAAAAAAAAAAAAAAAAAAAAAAAAAAAAAAAAAAAAAAAAAAAAAAAAAAAAAAAAAAAAAAAAAFAAAADwAAAAAAAAAAAAAAAAAAAkUAAAAAQAAABQAAAAUAAAAFAAAAAEAAAAAAAAAZAAAAGQAAAAAAAAAZAAAAGQAAAAVAAAAYAAAAAAAAAAAAAAADwAAACADAAAAAAAAAAAAAAEAAACgMgAAVgcAAKr4//8BAAAAf39/AAEAAABkAAAAAAAAABQAAABAHwAAAAAAACYAAAAAAAAAwOD//wAAAAAmAAAAZAAAABYAAABMAAAAAAAAAAAAAAAEAAAAAAAAAAEAAACAgIAKAAAAACgAAAAoAAAAZAAAAGQAAAAAAAAAzMzMAAAAAABQAAAAUAAAAGQAAABkAAAAAAAAABcAAAAUAAAAAAAAAAAAAAD/fwAA/38AAAAAAAAJAAAABAAAAAAAAAAMAAAAEAAAAAAAAAAAAAAAAAAAAAAAAAAeAAAAaAAAAAAAAAAAAAAAAAAAAAAAAAAAAAAAECcAABAnAAAAAAAAAAAAAAAAAAAAAAAAAAAAAAAAAAAAAAAAAAAAABQAAAAAAAAAwMD/AAAAAABkAAAAMgAAAAAAAABkAAAAAAAAAH9/fwAKAAAAHwAAAFQAAAAAAAAFAAAAAQAAAAAAAAAAAAAAAAAAAAAAAAAAAAAAAAAAAAAAAAAAAAAAAn9/fwAAAAADzMzMAMDA/wB/f38AAAAAAAAAAAAAAAAAAAAAAAAAAAAhAAAAGAAAABQAAAA4EwAAGycAAAglAABZKQAAEAAAACYAAAAIAAAAAAAAAAAAAAA="/>
+                <pr:smNativeData xmlns:pr="smNativeData" val="SMDATA_13_IrKAXRMAAAAlAAAAZAAAAA8BAAAAkAAAAEgAAACQAAAASAAAAAAAAAABAAAAAAAAAAEAAABQAAAAAAAAAAAA4D8AAAAAAADgPwAAAAAAAOA/AAAAAAAA4D8AAAAAAADgPwAAAAAAAOA/AAAAAAAA4D8AAAAAAADgPwAAAAAAAOA/AAAAAAAA4D8CAAAAjAAAAAAAAAAAAAAAu+DjDP///wgAAAAAAAAAAAAAAAAAAAAAAAAAAAAAAAAAAAAAZAAAAAEAAABAAAAAAAAAAAAAAAAAAAAAAAAAAAAAAAAAAAAAAAAAAAAAAAAAAAAAAAAAAAAAAAAAAAAAAAAAAAAAAAAAAAAAAAAAAAAAAAAAAAAAAAAAAAAAAAAAAAAAFAAAADwAAAAAAAAAAAAAAAAAAAkUAAAAAQAAABQAAAAUAAAAFAAAAAEAAAAAAAAAZAAAAGQAAAAAAAAAZAAAAGQAAAAVAAAAYAAAAAAAAAAAAAAADwAAACADAAAAAAAAAAAAAAEAAACgMgAAVgcAAKr4//8BAAAAf39/AAEAAABkAAAAAAAAABQAAABAHwAAAAAAACYAAAAAAAAAwOD//wAAAAAmAAAAZAAAABYAAABMAAAAAAAAAAAAAAAEAAAAAAAAAAEAAACAgIAKAAAAACgAAAAoAAAAZAAAAGQAAAAAAAAAzMzMAAAAAABQAAAAUAAAAGQAAABkAAAAAAAAABcAAAAUAAAAAAAAAAAAAAD/fwAA/38AAAAAAAAJAAAABAAAAAAAAAAMAAAAEAAAAAAAAAAAAAAAAAAAAAAAAAAeAAAAaAAAAAAAAAAAAAAAAAAAAAAAAAAAAAAAECcAABAnAAAAAAAAAAAAAAAAAAAAAAAAAAAAAAAAAAAAAAAAAAAAABQAAAAAAAAAwMD/AAAAAABkAAAAMgAAAAAAAABkAAAAAAAAAH9/fwAKAAAAHwAAAFQAAAAAAAAFAAAAAQAAAAAAAAAAAAAAAAAAAAAAAAAAAAAAAAAAAAAAAAAAAAAAAn9/fwAAAAADzMzMAMDA/wB/f38AAAAAAAAAAAAAAAAAAAAAAAAAAAAhAAAAGAAAABQAAAA4EwAAGycAAAglAABZKQAAEAAAACYAAAAIAAAAAAAAAAAAAAA="/>
               </a:ext>
             </a:extLst>
           </p:cNvSpPr>
@@ -1509,7 +1509,7 @@
             <a:spLocks noGrp="1" noChangeArrowheads="1"/>
             <a:extLst>
               <a:ext uri="smNativeData">
-                <pr:smNativeData xmlns:pr="smNativeData" val="SMDATA_13_BbpsXRMAAAAlAAAAZAAAAA8BAAAAkAAAAEgAAACQAAAASAAAAAAAAAABAAAAAAAAAAEAAABQAAAAAAAAAAAA4D8AAAAAAADgPwAAAAAAAOA/AAAAAAAA4D8AAAAAAADgPwAAAAAAAOA/AAAAAAAA4D8AAAAAAADgPwAAAAAAAOA/AAAAAAAA4D8CAAAAjAAAAAAAAAAAAAAAu+DjDP///wgAAAAAAAAAAAAAAAAAAAAAAAAAAAAAAAAAAAAAZAAAAAEAAABAAAAAAAAAAAAAAAAAAAAAAAAAAAAAAAAAAAAAAAAAAAAAAAAAAAAAAAAAAAAAAAAAAAAAAAAAAAAAAAAAAAAAAAAAAAAAAAAAAAAAAAAAAAAAAAAAAAAAFAAAADwAAAAAAAAAAAAAAAAAAAkUAAAAAQAAABQAAAAUAAAAFAAAAAEAAAAAAAAAZAAAAGQAAAAAAAAAZAAAAGQAAAAVAAAAYAAAAAAAAAAAAAAADwAAACADAAAAAAAAAAAAAAEAAACgMgAAVgcAAKr4//8BAAAAf39/AAEAAABkAAAAAAAAABQAAABAHwAAAAAAACYAAAAAAAAAwOD//wAAAAAmAAAAZAAAABYAAABMAAAAAAAAAAAAAAAEAAAAAAAAAAEAAACAgIAKAAAAACgAAAAoAAAAZAAAAGQAAAAAAAAAzMzMAAAAAABQAAAAUAAAAGQAAABkAAAAAAAAABcAAAAUAAAAAAAAAAAAAAD/fwAA/38AAAAAAAAJAAAABAAAAAAAAAAMAAAAEAAAAAAAAAAAAAAAAAAAAAAAAAAeAAAAaAAAAAAAAAAAAAAAAAAAAAAAAAAAAAAAECcAABAnAAAAAAAAAAAAAAAAAAAAAAAAAAAAAAAAAAAAAAAAAAAAABQAAAAAAAAAwMD/AAAAAABkAAAAMgAAAAAAAABkAAAAAAAAAH9/fwAKAAAAHwAAAFQAAAAAAAAFAAAAAQAAAAAAAAAAAAAAAAAAAAAAAAAAAAAAAAAAAAAAAAAAAAAAAn9/fwAAAAADzMzMAMDA/wB/f38AAAAAAAAAAAAAAAAAAAAAAAAAAAAhAAAAGAAAABQAAABQKAAAGycAAHA1AABZKQAAEAAAACYAAAAIAAAAAAAAAAAAAAA="/>
+                <pr:smNativeData xmlns:pr="smNativeData" val="SMDATA_13_IrKAXRMAAAAlAAAAZAAAAA8BAAAAkAAAAEgAAACQAAAASAAAAAAAAAABAAAAAAAAAAEAAABQAAAAAAAAAAAA4D8AAAAAAADgPwAAAAAAAOA/AAAAAAAA4D8AAAAAAADgPwAAAAAAAOA/AAAAAAAA4D8AAAAAAADgPwAAAAAAAOA/AAAAAAAA4D8CAAAAjAAAAAAAAAAAAAAAu+DjDP///wgAAAAAAAAAAAAAAAAAAAAAAAAAAAAAAAAAAAAAZAAAAAEAAABAAAAAAAAAAAAAAAAAAAAAAAAAAAAAAAAAAAAAAAAAAAAAAAAAAAAAAAAAAAAAAAAAAAAAAAAAAAAAAAAAAAAAAAAAAAAAAAAAAAAAAAAAAAAAAAAAAAAAFAAAADwAAAAAAAAAAAAAAAAAAAkUAAAAAQAAABQAAAAUAAAAFAAAAAEAAAAAAAAAZAAAAGQAAAAAAAAAZAAAAGQAAAAVAAAAYAAAAAAAAAAAAAAADwAAACADAAAAAAAAAAAAAAEAAACgMgAAVgcAAKr4//8BAAAAf39/AAEAAABkAAAAAAAAABQAAABAHwAAAAAAACYAAAAAAAAAwOD//wAAAAAmAAAAZAAAABYAAABMAAAAAAAAAAAAAAAEAAAAAAAAAAEAAACAgIAKAAAAACgAAAAoAAAAZAAAAGQAAAAAAAAAzMzMAAAAAABQAAAAUAAAAGQAAABkAAAAAAAAABcAAAAUAAAAAAAAAAAAAAD/fwAA/38AAAAAAAAJAAAABAAAAAAAAAAMAAAAEAAAAAAAAAAAAAAAAAAAAAAAAAAeAAAAaAAAAAAAAAAAAAAAAAAAAAAAAAAAAAAAECcAABAnAAAAAAAAAAAAAAAAAAAAAAAAAAAAAAAAAAAAAAAAAAAAABQAAAAAAAAAwMD/AAAAAABkAAAAMgAAAAAAAABkAAAAAAAAAH9/fwAKAAAAHwAAAFQAAAAAAAAFAAAAAQAAAAAAAAAAAAAAAAAAAAAAAAAAAAAAAAAAAAAAAAAAAAAAAn9/fwAAAAADzMzMAMDA/wB/f38AAAAAAAAAAAAAAAAAAAAAAAAAAAAhAAAAGAAAABQAAABQKAAAGycAAHA1AABZKQAAEAAAACYAAAAIAAAAAAAAAAAAAAA="/>
               </a:ext>
             </a:extLst>
           </p:cNvSpPr>
@@ -1523,7 +1523,7 @@
           <a:lstStyle/>
           <a:p>
             <a:pPr/>
-            <a:fld id="{335F38D4-9ADE-0ACE-90E7-6C9B76A96639}" type="slidenum">
+            <a:fld id="{477ECEFB-B5AA-2B38-E4C6-436D80881216}" type="slidenum">
               <a:t/>
             </a:fld>
           </a:p>
@@ -1561,7 +1561,7 @@
             <a:spLocks noGrp="1" noChangeArrowheads="1"/>
             <a:extLst>
               <a:ext uri="smNativeData">
-                <pr:smNativeData xmlns:pr="smNativeData" val="SMDATA_13_BbpsXRMAAAAlAAAAZAAAAA8BAAAAkAAAAEgAAACQAAAASAAAAAAAAAABAAAAAAAAAAEAAABQAAAAAAAAAAAA4D8AAAAAAADgPwAAAAAAAOA/AAAAAAAA4D8AAAAAAADgPwAAAAAAAOA/AAAAAAAA4D8AAAAAAADgPwAAAAAAAOA/AAAAAAAA4D8CAAAAjAAAAAAAAAAAAAAAu+DjDP///wgAAAAAAAAAAAAAAAAAAAAAAAAAAAAAAAAAAAAAZAAAAAEAAABAAAAAAAAAAAAAAAAAAAAAAAAAAAAAAAAAAAAAAAAAAAAAAAAAAAAAAAAAAAAAAAAAAAAAAAAAAAAAAAAAAAAAAAAAAAAAAAAAAAAAAAAAAAAAAAAAAAAAFAAAADwAAAAAAAAAAAAAAAAAAAkUAAAAAQAAABQAAAAUAAAAFAAAAAEAAAAAAAAAZAAAAGQAAAAAAAAAZAAAAGQAAAAVAAAAYAAAAAAAAAAAAAAADwAAACADAAAAAAAAAAAAAAEAAACgMgAAVgcAAKr4//8BAAAAf39/AAEAAABkAAAAAAAAABQAAABAHwAAAAAAACYAAAAAAAAAwOD//wAAAAAmAAAAZAAAABYAAABMAAAAAAAAAAAAAAAEAAAAAAAAAAEAAACAgIAKAAAAACgAAAAoAAAAZAAAAGQAAAAAAAAAzMzMAAAAAABQAAAAUAAAAGQAAABkAAAAAAAAABcAAAAUAAAAAAAAAAAAAAD/fwAA/38AAAAAAAAJAAAABAAAAAAAAAAMAAAAEAAAAAAAAAAAAAAAAAAAAAAAAAAeAAAAaAAAAAAAAAAAAAAAAAAAAAAAAAAAAAAAECcAABAnAAAAAAAAAAAAAAAAAAAAAAAAAAAAAAAAAAAAAAAAAAAAABQAAAAAAAAAwMD/AAAAAABkAAAAMgAAAAAAAABkAAAAAAAAAH9/fwAKAAAAHwAAAFQAAAAAAAAFAAAAAQAAAAAAAAAAAAAAAAAAAAAAAAAAAAAAAAAAAAAAAAAAAAAAAn9/fwAAAAADzMzMAMDA/wB/f38AAAAAAAAAAAAAAAAAAAAAAAAAAAAhAAAAGAAAABQAAADQAgAAsAEAAHA1AAC4CAAAEAAAACYAAAAIAAAAAAAAAAAAAAA="/>
+                <pr:smNativeData xmlns:pr="smNativeData" val="SMDATA_13_IrKAXRMAAAAlAAAAZAAAAA8BAAAAkAAAAEgAAACQAAAASAAAAAAAAAABAAAAAAAAAAEAAABQAAAAAAAAAAAA4D8AAAAAAADgPwAAAAAAAOA/AAAAAAAA4D8AAAAAAADgPwAAAAAAAOA/AAAAAAAA4D8AAAAAAADgPwAAAAAAAOA/AAAAAAAA4D8CAAAAjAAAAAAAAAAAAAAAu+DjDP///wgAAAAAAAAAAAAAAAAAAAAAAAAAAAAAAAAAAAAAZAAAAAEAAABAAAAAAAAAAAAAAAAAAAAAAAAAAAAAAAAAAAAAAAAAAAAAAAAAAAAAAAAAAAAAAAAAAAAAAAAAAAAAAAAAAAAAAAAAAAAAAAAAAAAAAAAAAAAAAAAAAAAAFAAAADwAAAAAAAAAAAAAAAAAAAkUAAAAAQAAABQAAAAUAAAAFAAAAAEAAAAAAAAAZAAAAGQAAAAAAAAAZAAAAGQAAAAVAAAAYAAAAAAAAAAAAAAADwAAACADAAAAAAAAAAAAAAEAAACgMgAAVgcAAKr4//8BAAAAf39/AAEAAABkAAAAAAAAABQAAABAHwAAAAAAACYAAAAAAAAAwOD//wAAAAAmAAAAZAAAABYAAABMAAAAAAAAAAAAAAAEAAAAAAAAAAEAAACAgIAKAAAAACgAAAAoAAAAZAAAAGQAAAAAAAAAzMzMAAAAAABQAAAAUAAAAGQAAABkAAAAAAAAABcAAAAUAAAAAAAAAAAAAAD/fwAA/38AAAAAAAAJAAAABAAAAAAAAAAMAAAAEAAAAAAAAAAAAAAAAAAAAAAAAAAeAAAAaAAAAAAAAAAAAAAAAAAAAAAAAAAAAAAAECcAABAnAAAAAAAAAAAAAAAAAAAAAAAAAAAAAAAAAAAAAAAAAAAAABQAAAAAAAAAwMD/AAAAAABkAAAAMgAAAAAAAABkAAAAAAAAAH9/fwAKAAAAHwAAAFQAAAAAAAAFAAAAAQAAAAAAAAAAAAAAAAAAAAAAAAAAAAAAAAAAAAAAAAAAAAAAAn9/fwAAAAADzMzMAMDA/wB/f38AAAAAAAAAAAAAAAAAAAAAAAAAAAAhAAAAGAAAABQAAADQAgAAsAEAAHA1AAC4CAAAEAAAACYAAAAIAAAAAAAAAAAAAAA="/>
               </a:ext>
             </a:extLst>
           </p:cNvSpPr>
@@ -1588,7 +1588,7 @@
             <a:spLocks noGrp="1" noChangeArrowheads="1"/>
             <a:extLst>
               <a:ext uri="smNativeData">
-                <pr:smNativeData xmlns:pr="smNativeData" val="SMDATA_13_BbpsXRMAAAAlAAAAZAAAAA8BAAAAkAAAAEgAAACQAAAASAAAAAAAAAACAAAAAAAAAAEAAABQAAAAAAAAAAAA4D8AAAAAAADgPwAAAAAAAOA/AAAAAAAA4D8AAAAAAADgPwAAAAAAAOA/AAAAAAAA4D8AAAAAAADgPwAAAAAAAOA/AAAAAAAA4D8CAAAAjAAAAAAAAAAAAAAAu+DjDP///wgAAAAAAAAAAAAAAAAAAAAAAAAAAAAAAAAAAAAAZAAAAAEAAABAAAAAAAAAAAAAAAAAAAAAAAAAAAAAAAAAAAAAAAAAAAAAAAAAAAAAAAAAAAAAAAAAAAAAAAAAAAAAAAAAAAAAAAAAAAAAAAAAAAAAAAAAAAAAAAAAAAAAFAAAADwAAAAAAAAAAAAAAAAAAAkUAAAAAQAAABQAAAAUAAAAFAAAAAEAAAAAAAAAZAAAAGQAAAAAAAAAZAAAAGQAAAAVAAAAYAAAAAAAAAAAAAAADwAAACADAAAAAAAAAAAAAAEAAACgMgAAVgcAAKr4//8BAAAAf39/AAEAAABkAAAAAAAAABQAAABAHwAAAAAAACYAAAAAAAAAwOD//wAAAAAmAAAAZAAAABYAAABMAAAAAAAAAAAAAAAEAAAAAAAAAAEAAACAgIAKAAAAACgAAAAoAAAAZAAAAGQAAAAAAAAAzMzMAAAAAABQAAAAUAAAAGQAAABkAAAAAAAAABcAAAAUAAAAAAAAAAAAAAD/fwAA/38AAAAAAAAJAAAABAAAAAAAAAAMAAAAEAAAAAAAAAAAAAAAAAAAAAAAAAAeAAAAaAAAAAAAAAAAAAAAAAAAAAAAAAAAAAAAECcAABAnAAAAAAAAAAAAAAAAAAAAAAAAAAAAAAAAAAAAAAAAAAAAABQAAAAAAAAAwMD/AAAAAABkAAAAMgAAAAAAAABkAAAAAAAAAH9/fwAKAAAAHwAAAFQAAAAAAAAFAAAAAQAAAAAAAAAAAAAAAAAAAAAAAAAAAAAAAAAAAAAAAAAAAAAAAn9/fwAAAAADzMzMAMDA/wB/f38AAAAAAAAAAAAAAAAAAAAAAAAAAAAhAAAAGAAAABQAAADQAgAAcQkAAKobAABhDQAAEAAAACYAAAAIAAAAgYAAAAAAAAA="/>
+                <pr:smNativeData xmlns:pr="smNativeData" val="SMDATA_13_IrKAXRMAAAAlAAAAZAAAAA8BAAAAkAAAAEgAAACQAAAASAAAAAAAAAACAAAAAAAAAAEAAABQAAAAAAAAAAAA4D8AAAAAAADgPwAAAAAAAOA/AAAAAAAA4D8AAAAAAADgPwAAAAAAAOA/AAAAAAAA4D8AAAAAAADgPwAAAAAAAOA/AAAAAAAA4D8CAAAAjAAAAAAAAAAAAAAAu+DjDP///wgAAAAAAAAAAAAAAAAAAAAAAAAAAAAAAAAAAAAAZAAAAAEAAABAAAAAAAAAAAAAAAAAAAAAAAAAAAAAAAAAAAAAAAAAAAAAAAAAAAAAAAAAAAAAAAAAAAAAAAAAAAAAAAAAAAAAAAAAAAAAAAAAAAAAAAAAAAAAAAAAAAAAFAAAADwAAAAAAAAAAAAAAAAAAAkUAAAAAQAAABQAAAAUAAAAFAAAAAEAAAAAAAAAZAAAAGQAAAAAAAAAZAAAAGQAAAAVAAAAYAAAAAAAAAAAAAAADwAAACADAAAAAAAAAAAAAAEAAACgMgAAVgcAAKr4//8BAAAAf39/AAEAAABkAAAAAAAAABQAAABAHwAAAAAAACYAAAAAAAAAwOD//wAAAAAmAAAAZAAAABYAAABMAAAAAAAAAAAAAAAEAAAAAAAAAAEAAACAgIAKAAAAACgAAAAoAAAAZAAAAGQAAAAAAAAAzMzMAAAAAABQAAAAUAAAAGQAAABkAAAAAAAAABcAAAAUAAAAAAAAAAAAAAD/fwAA/38AAAAAAAAJAAAABAAAAAAAAAAMAAAAEAAAAAAAAAAAAAAAAAAAAAAAAAAeAAAAaAAAAAAAAAAAAAAAAAAAAAAAAAAAAAAAECcAABAnAAAAAAAAAAAAAAAAAAAAAAAAAAAAAAAAAAAAAAAAAAAAABQAAAAAAAAAwMD/AAAAAABkAAAAMgAAAAAAAABkAAAAAAAAAH9/fwAKAAAAHwAAAFQAAAAAAAAFAAAAAQAAAAAAAAAAAAAAAAAAAAAAAAAAAAAAAAAAAAAAAAAAAAAAAn9/fwAAAAADzMzMAMDA/wB/f38AAAAAAAAAAAAAAAAAAAAAAAAAAAAhAAAAGAAAABQAAADQAgAAcQkAAKobAABhDQAAEAAAACYAAAAIAAAAgYAAAAAAAAA="/>
               </a:ext>
             </a:extLst>
           </p:cNvSpPr>
@@ -1685,7 +1685,7 @@
             <a:spLocks noGrp="1" noChangeArrowheads="1"/>
             <a:extLst>
               <a:ext uri="smNativeData">
-                <pr:smNativeData xmlns:pr="smNativeData" val="SMDATA_13_BbpsXRMAAAAlAAAAZAAAAA8BAAAAkAAAAEgAAACQAAAASAAAAAAAAAAAAAAAAAAAAAEAAABQAAAAAAAAAAAA4D8AAAAAAADgPwAAAAAAAOA/AAAAAAAA4D8AAAAAAADgPwAAAAAAAOA/AAAAAAAA4D8AAAAAAADgPwAAAAAAAOA/AAAAAAAA4D8CAAAAjAAAAAAAAAAAAAAAu+DjDP///wgAAAAAAAAAAAAAAAAAAAAAAAAAAAAAAAAAAAAAZAAAAAEAAABAAAAAAAAAAAAAAAAAAAAAAAAAAAAAAAAAAAAAAAAAAAAAAAAAAAAAAAAAAAAAAAAAAAAAAAAAAAAAAAAAAAAAAAAAAAAAAAAAAAAAAAAAAAAAAAAAAAAAFAAAADwAAAAAAAAAAAAAAAAAAAkUAAAAAQAAABQAAAAUAAAAFAAAAAEAAAAAAAAAZAAAAGQAAAAAAAAAZAAAAGQAAAAVAAAAYAAAAAAAAAAAAAAADwAAACADAAAAAAAAAAAAAAEAAACgMgAAVgcAAKr4//8BAAAAf39/AAEAAABkAAAAAAAAABQAAABAHwAAAAAAACYAAAAAAAAAwOD//wAAAAAmAAAAZAAAABYAAABMAAAAAAAAAAAAAAAEAAAAAAAAAAEAAACAgIAKAAAAACgAAAAoAAAAZAAAAGQAAAAAAAAAzMzMAAAAAABQAAAAUAAAAGQAAABkAAAAAAAAABcAAAAUAAAAAAAAAAAAAAD/fwAA/38AAAAAAAAJAAAABAAAAAAAAAAMAAAAEAAAAAAAAAAAAAAAAAAAAAAAAAAeAAAAaAAAAAAAAAAAAAAAAAAAAAAAAAAAAAAAECcAABAnAAAAAAAAAAAAAAAAAAAAAAAAAAAAAAAAAAAAAAAAAAAAABQAAAAAAAAAwMD/AAAAAABkAAAAMgAAAAAAAABkAAAAAAAAAH9/fwAKAAAAHwAAAFQAAAAAAAAFAAAAAQAAAAAAAAAAAAAAAAAAAAAAAAAAAAAAAAAAAAAAAAAAAAAAAn9/fwAAAAADzMzMAMDA/wB/f38AAAAAAAAAAAAAAAAAAAAAAAAAAAAhAAAAGAAAABQAAADQAgAAYQ0AAKobAACwJQAAEAAAACYAAAAIAAAAAYAAAAAAAAA="/>
+                <pr:smNativeData xmlns:pr="smNativeData" val="SMDATA_13_IrKAXRMAAAAlAAAAZAAAAA8BAAAAkAAAAEgAAACQAAAASAAAAAAAAAAAAAAAAAAAAAEAAABQAAAAAAAAAAAA4D8AAAAAAADgPwAAAAAAAOA/AAAAAAAA4D8AAAAAAADgPwAAAAAAAOA/AAAAAAAA4D8AAAAAAADgPwAAAAAAAOA/AAAAAAAA4D8CAAAAjAAAAAAAAAAAAAAAu+DjDP///wgAAAAAAAAAAAAAAAAAAAAAAAAAAAAAAAAAAAAAZAAAAAEAAABAAAAAAAAAAAAAAAAAAAAAAAAAAAAAAAAAAAAAAAAAAAAAAAAAAAAAAAAAAAAAAAAAAAAAAAAAAAAAAAAAAAAAAAAAAAAAAAAAAAAAAAAAAAAAAAAAAAAAFAAAADwAAAAAAAAAAAAAAAAAAAkUAAAAAQAAABQAAAAUAAAAFAAAAAEAAAAAAAAAZAAAAGQAAAAAAAAAZAAAAGQAAAAVAAAAYAAAAAAAAAAAAAAADwAAACADAAAAAAAAAAAAAAEAAACgMgAAVgcAAKr4//8BAAAAf39/AAEAAABkAAAAAAAAABQAAABAHwAAAAAAACYAAAAAAAAAwOD//wAAAAAmAAAAZAAAABYAAABMAAAAAAAAAAAAAAAEAAAAAAAAAAEAAACAgIAKAAAAACgAAAAoAAAAZAAAAGQAAAAAAAAAzMzMAAAAAABQAAAAUAAAAGQAAABkAAAAAAAAABcAAAAUAAAAAAAAAAAAAAD/fwAA/38AAAAAAAAJAAAABAAAAAAAAAAMAAAAEAAAAAAAAAAAAAAAAAAAAAAAAAAeAAAAaAAAAAAAAAAAAAAAAAAAAAAAAAAAAAAAECcAABAnAAAAAAAAAAAAAAAAAAAAAAAAAAAAAAAAAAAAAAAAAAAAABQAAAAAAAAAwMD/AAAAAABkAAAAMgAAAAAAAABkAAAAAAAAAH9/fwAKAAAAHwAAAFQAAAAAAAAFAAAAAQAAAAAAAAAAAAAAAAAAAAAAAAAAAAAAAAAAAAAAAAAAAAAAAn9/fwAAAAADzMzMAMDA/wB/f38AAAAAAAAAAAAAAAAAAAAAAAAAAAAhAAAAGAAAABQAAADQAgAAYQ0AAKobAACwJQAAEAAAACYAAAAIAAAAAYAAAAAAAAA="/>
               </a:ext>
             </a:extLst>
           </p:cNvSpPr>
@@ -1769,7 +1769,7 @@
             <a:spLocks noGrp="1" noChangeArrowheads="1"/>
             <a:extLst>
               <a:ext uri="smNativeData">
-                <pr:smNativeData xmlns:pr="smNativeData" val="SMDATA_13_BbpsXRMAAAAlAAAAZAAAAA8BAAAAkAAAAEgAAACQAAAASAAAAAAAAAACAAAAAAAAAAEAAABQAAAAAAAAAAAA4D8AAAAAAADgPwAAAAAAAOA/AAAAAAAA4D8AAAAAAADgPwAAAAAAAOA/AAAAAAAA4D8AAAAAAADgPwAAAAAAAOA/AAAAAAAA4D8CAAAAjAAAAAAAAAAAAAAAu+DjDP///wgAAAAAAAAAAAAAAAAAAAAAAAAAAAAAAAAAAAAAZAAAAAEAAABAAAAAAAAAAAAAAAAAAAAAAAAAAAAAAAAAAAAAAAAAAAAAAAAAAAAAAAAAAAAAAAAAAAAAAAAAAAAAAAAAAAAAAAAAAAAAAAAAAAAAAAAAAAAAAAAAAAAAFAAAADwAAAAAAAAAAAAAAAAAAAkUAAAAAQAAABQAAAAUAAAAFAAAAAEAAAAAAAAAZAAAAGQAAAAAAAAAZAAAAGQAAAAVAAAAYAAAAAAAAAAAAAAADwAAACADAAAAAAAAAAAAAAEAAACgMgAAVgcAAKr4//8BAAAAf39/AAEAAABkAAAAAAAAABQAAABAHwAAAAAAACYAAAAAAAAAwOD//wAAAAAmAAAAZAAAABYAAABMAAAAAAAAAAAAAAAEAAAAAAAAAAEAAACAgIAKAAAAACgAAAAoAAAAZAAAAGQAAAAAAAAAzMzMAAAAAABQAAAAUAAAAGQAAABkAAAAAAAAABcAAAAUAAAAAAAAAAAAAAD/fwAA/38AAAAAAAAJAAAABAAAAEjqUAQMAAAAEAAAAAAAAAAAAAAAAAAAAAAAAAAeAAAAaAAAAAAAAAAAAAAAAAAAAAAAAAAAAAAAECcAABAnAAAAAAAAAAAAAAAAAAAAAAAAAAAAAAAAAAAAAAAAAAAAABQAAAAAAAAAwMD/AAAAAABkAAAAMgAAAAAAAABkAAAAAAAAAH9/fwAKAAAAHwAAAFQAAAAAAAAFAAAAAQAAAAAAAAAAAAAAAAAAAAAAAAAAAAAAAAAAAAAAAAAAAAAAAn9/fwAAAAADzMzMAMDA/wB/f38AAAAAAAAAAAAAAAAAAAAAAAAAAAAhAAAAGAAAABQAAACWHAAAcQkAAHA1AABhDQAAEAAAACYAAAAIAAAAgYAAAAAAAAA="/>
+                <pr:smNativeData xmlns:pr="smNativeData" val="SMDATA_13_IrKAXRMAAAAlAAAAZAAAAA8BAAAAkAAAAEgAAACQAAAASAAAAAAAAAACAAAAAAAAAAEAAABQAAAAAAAAAAAA4D8AAAAAAADgPwAAAAAAAOA/AAAAAAAA4D8AAAAAAADgPwAAAAAAAOA/AAAAAAAA4D8AAAAAAADgPwAAAAAAAOA/AAAAAAAA4D8CAAAAjAAAAAAAAAAAAAAAu+DjDP///wgAAAAAAAAAAAAAAAAAAAAAAAAAAAAAAAAAAAAAZAAAAAEAAABAAAAAAAAAAAAAAAAAAAAAAAAAAAAAAAAAAAAAAAAAAAAAAAAAAAAAAAAAAAAAAAAAAAAAAAAAAAAAAAAAAAAAAAAAAAAAAAAAAAAAAAAAAAAAAAAAAAAAFAAAADwAAAAAAAAAAAAAAAAAAAkUAAAAAQAAABQAAAAUAAAAFAAAAAEAAAAAAAAAZAAAAGQAAAAAAAAAZAAAAGQAAAAVAAAAYAAAAAAAAAAAAAAADwAAACADAAAAAAAAAAAAAAEAAACgMgAAVgcAAKr4//8BAAAAf39/AAEAAABkAAAAAAAAABQAAABAHwAAAAAAACYAAAAAAAAAwOD//wAAAAAmAAAAZAAAABYAAABMAAAAAAAAAAAAAAAEAAAAAAAAAAEAAACAgIAKAAAAACgAAAAoAAAAZAAAAGQAAAAAAAAAzMzMAAAAAABQAAAAUAAAAGQAAABkAAAAAAAAABcAAAAUAAAAAAAAAAAAAAD/fwAA/38AAAAAAAAJAAAABAAAAEjqUAQMAAAAEAAAAAAAAAAAAAAAAAAAAAAAAAAeAAAAaAAAAAAAAAAAAAAAAAAAAAAAAAAAAAAAECcAABAnAAAAAAAAAAAAAAAAAAAAAAAAAAAAAAAAAAAAAAAAAAAAABQAAAAAAAAAwMD/AAAAAABkAAAAMgAAAAAAAABkAAAAAAAAAH9/fwAKAAAAHwAAAFQAAAAAAAAFAAAAAQAAAAAAAAAAAAAAAAAAAAAAAAAAAAAAAAAAAAAAAAAAAAAAAn9/fwAAAAADzMzMAMDA/wB/f38AAAAAAAAAAAAAAAAAAAAAAAAAAAAhAAAAGAAAABQAAACWHAAAcQkAAHA1AABhDQAAEAAAACYAAAAIAAAAgYAAAAAAAAA="/>
               </a:ext>
             </a:extLst>
           </p:cNvSpPr>
@@ -1842,7 +1842,7 @@
             <a:spLocks noGrp="1" noChangeArrowheads="1"/>
             <a:extLst>
               <a:ext uri="smNativeData">
-                <pr:smNativeData xmlns:pr="smNativeData" val="SMDATA_13_BbpsXRMAAAAlAAAAZAAAAA8BAAAAkAAAAEgAAACQAAAASAAAAAAAAAAAAAAAAAAAAAEAAABQAAAAAAAAAAAA4D8AAAAAAADgPwAAAAAAAOA/AAAAAAAA4D8AAAAAAADgPwAAAAAAAOA/AAAAAAAA4D8AAAAAAADgPwAAAAAAAOA/AAAAAAAA4D8CAAAAjAAAAAAAAAAAAAAAu+DjDP///wgAAAAAAAAAAAAAAAAAAAAAAAAAAAAAAAAAAAAAZAAAAAEAAABAAAAAAAAAAAAAAAAAAAAAAAAAAAAAAAAAAAAAAAAAAAAAAAAAAAAAAAAAAAAAAAAAAAAAAAAAAAAAAAAAAAAAAAAAAAAAAAAAAAAAAAAAAAAAAAAAAAAAFAAAADwAAAAAAAAAAAAAAAAAAAkUAAAAAQAAABQAAAAUAAAAFAAAAAEAAAAAAAAAZAAAAGQAAAAAAAAAZAAAAGQAAAAVAAAAYAAAAAAAAAAAAAAADwAAACADAAAAAAAAAAAAAAEAAACgMgAAVgcAAKr4//8BAAAAf39/AAEAAABkAAAAAAAAABQAAABAHwAAAAAAACYAAAAAAAAAwOD//wAAAAAmAAAAZAAAABYAAABMAAAAAAAAAAAAAAAEAAAAAAAAAAEAAACAgIAKAAAAACgAAAAoAAAAZAAAAGQAAAAAAAAAzMzMAAAAAABQAAAAUAAAAGQAAABkAAAAAAAAABcAAAAUAAAAAAAAAAAAAAD/fwAA/38AAAAAAAAJAAAABAAAAAAAAAAMAAAAEAAAAAAAAAAAAAAAAAAAAAAAAAAeAAAAaAAAAAAAAAAAAAAAAAAAAAAAAAAAAAAAECcAABAnAAAAAAAAAAAAAAAAAAAAAAAAAAAAAAAAAAAAAAAAAAAAABQAAAAAAAAAwMD/AAAAAABkAAAAMgAAAAAAAABkAAAAAAAAAH9/fwAKAAAAHwAAAFQAAAAAAAAFAAAAAQAAAAAAAAAAAAAAAAAAAAAAAAAAAAAAAAAAAAAAAAAAAAAAAn9/fwAAAAADzMzMAMDA/wB/f38AAAAAAAAAAAAAAAAAAAAAAAAAAAAhAAAAGAAAABQAAACWHAAAYQ0AAHA1AACwJQAAEAAAACYAAAAIAAAAAYAAAAAAAAA="/>
+                <pr:smNativeData xmlns:pr="smNativeData" val="SMDATA_13_IrKAXRMAAAAlAAAAZAAAAA8BAAAAkAAAAEgAAACQAAAASAAAAAAAAAAAAAAAAAAAAAEAAABQAAAAAAAAAAAA4D8AAAAAAADgPwAAAAAAAOA/AAAAAAAA4D8AAAAAAADgPwAAAAAAAOA/AAAAAAAA4D8AAAAAAADgPwAAAAAAAOA/AAAAAAAA4D8CAAAAjAAAAAAAAAAAAAAAu+DjDP///wgAAAAAAAAAAAAAAAAAAAAAAAAAAAAAAAAAAAAAZAAAAAEAAABAAAAAAAAAAAAAAAAAAAAAAAAAAAAAAAAAAAAAAAAAAAAAAAAAAAAAAAAAAAAAAAAAAAAAAAAAAAAAAAAAAAAAAAAAAAAAAAAAAAAAAAAAAAAAAAAAAAAAFAAAADwAAAAAAAAAAAAAAAAAAAkUAAAAAQAAABQAAAAUAAAAFAAAAAEAAAAAAAAAZAAAAGQAAAAAAAAAZAAAAGQAAAAVAAAAYAAAAAAAAAAAAAAADwAAACADAAAAAAAAAAAAAAEAAACgMgAAVgcAAKr4//8BAAAAf39/AAEAAABkAAAAAAAAABQAAABAHwAAAAAAACYAAAAAAAAAwOD//wAAAAAmAAAAZAAAABYAAABMAAAAAAAAAAAAAAAEAAAAAAAAAAEAAACAgIAKAAAAACgAAAAoAAAAZAAAAGQAAAAAAAAAzMzMAAAAAABQAAAAUAAAAGQAAABkAAAAAAAAABcAAAAUAAAAAAAAAAAAAAD/fwAA/38AAAAAAAAJAAAABAAAAAAAAAAMAAAAEAAAAAAAAAAAAAAAAAAAAAAAAAAeAAAAaAAAAAAAAAAAAAAAAAAAAAAAAAAAAAAAECcAABAnAAAAAAAAAAAAAAAAAAAAAAAAAAAAAAAAAAAAAAAAAAAAABQAAAAAAAAAwMD/AAAAAABkAAAAMgAAAAAAAABkAAAAAAAAAH9/fwAKAAAAHwAAAFQAAAAAAAAFAAAAAQAAAAAAAAAAAAAAAAAAAAAAAAAAAAAAAAAAAAAAAAAAAAAAAn9/fwAAAAADzMzMAMDA/wB/f38AAAAAAAAAAAAAAAAAAAAAAAAAAAAhAAAAGAAAABQAAACWHAAAYQ0AAHA1AACwJQAAEAAAACYAAAAIAAAAAYAAAAAAAAA="/>
               </a:ext>
             </a:extLst>
           </p:cNvSpPr>
@@ -1926,7 +1926,7 @@
             <a:spLocks noGrp="1" noChangeArrowheads="1"/>
             <a:extLst>
               <a:ext uri="smNativeData">
-                <pr:smNativeData xmlns:pr="smNativeData" val="SMDATA_13_BbpsXRMAAAAlAAAAZAAAAA8BAAAAkAAAAEgAAACQAAAASAAAAAAAAAABAAAAAAAAAAEAAABQAAAAAAAAAAAA4D8AAAAAAADgPwAAAAAAAOA/AAAAAAAA4D8AAAAAAADgPwAAAAAAAOA/AAAAAAAA4D8AAAAAAADgPwAAAAAAAOA/AAAAAAAA4D8CAAAAjAAAAAAAAAAAAAAAu+DjDP///wgAAAAAAAAAAAAAAAAAAAAAAAAAAAAAAAAAAAAAZAAAAAEAAABAAAAAAAAAAAAAAAAAAAAAAAAAAAAAAAAAAAAAAAAAAAAAAAAAAAAAAAAAAAAAAAAAAAAAAAAAAAAAAAAAAAAAAAAAAAAAAAAAAAAAAAAAAAAAAAAAAAAAFAAAADwAAAAAAAAAAAAAAAAAAAkUAAAAAQAAABQAAAAUAAAAFAAAAAEAAAAAAAAAZAAAAGQAAAAAAAAAZAAAAGQAAAAVAAAAYAAAAAAAAAAAAAAADwAAACADAAAAAAAAAAAAAAEAAACgMgAAVgcAAKr4//8BAAAAf39/AAEAAABkAAAAAAAAABQAAABAHwAAAAAAACYAAAAAAAAAwOD//wAAAAAmAAAAZAAAABYAAABMAAAAAAAAAAAAAAAEAAAAAAAAAAEAAACAgIAKAAAAACgAAAAoAAAAZAAAAGQAAAAAAAAAzMzMAAAAAABQAAAAUAAAAGQAAABkAAAAAAAAABcAAAAUAAAAAAAAAAAAAAD/fwAA/38AAAAAAAAJAAAABAAAADjhRAsMAAAAEAAAAAAAAAAAAAAAAAAAAAAAAAAeAAAAaAAAAAAAAAAAAAAAAAAAAAAAAAAAAAAAECcAABAnAAAAAAAAAAAAAAAAAAAAAAAAAAAAAAAAAAAAAAAAAAAAABQAAAAAAAAAwMD/AAAAAABkAAAAMgAAAAAAAABkAAAAAAAAAH9/fwAKAAAAHwAAAFQAAAAAAAAFAAAAAQAAAAAAAAAAAAAAAAAAAAAAAAAAAAAAAAAAAAAAAAAAAAAAAn9/fwAAAAADzMzMAMDA/wB/f38AAAAAAAAAAAAAAAAAAAAAAAAAAAAhAAAAGAAAABQAAADQAgAAGycAAPAPAABZKQAAEAAAACYAAAAIAAAAAAAAAAAAAAA="/>
+                <pr:smNativeData xmlns:pr="smNativeData" val="SMDATA_13_IrKAXRMAAAAlAAAAZAAAAA8BAAAAkAAAAEgAAACQAAAASAAAAAAAAAABAAAAAAAAAAEAAABQAAAAAAAAAAAA4D8AAAAAAADgPwAAAAAAAOA/AAAAAAAA4D8AAAAAAADgPwAAAAAAAOA/AAAAAAAA4D8AAAAAAADgPwAAAAAAAOA/AAAAAAAA4D8CAAAAjAAAAAAAAAAAAAAAu+DjDP///wgAAAAAAAAAAAAAAAAAAAAAAAAAAAAAAAAAAAAAZAAAAAEAAABAAAAAAAAAAAAAAAAAAAAAAAAAAAAAAAAAAAAAAAAAAAAAAAAAAAAAAAAAAAAAAAAAAAAAAAAAAAAAAAAAAAAAAAAAAAAAAAAAAAAAAAAAAAAAAAAAAAAAFAAAADwAAAAAAAAAAAAAAAAAAAkUAAAAAQAAABQAAAAUAAAAFAAAAAEAAAAAAAAAZAAAAGQAAAAAAAAAZAAAAGQAAAAVAAAAYAAAAAAAAAAAAAAADwAAACADAAAAAAAAAAAAAAEAAACgMgAAVgcAAKr4//8BAAAAf39/AAEAAABkAAAAAAAAABQAAABAHwAAAAAAACYAAAAAAAAAwOD//wAAAAAmAAAAZAAAABYAAABMAAAAAAAAAAAAAAAEAAAAAAAAAAEAAACAgIAKAAAAACgAAAAoAAAAZAAAAGQAAAAAAAAAzMzMAAAAAABQAAAAUAAAAGQAAABkAAAAAAAAABcAAAAUAAAAAAAAAAAAAAD/fwAA/38AAAAAAAAJAAAABAAAADjhRAsMAAAAEAAAAAAAAAAAAAAAAAAAAAAAAAAeAAAAaAAAAAAAAAAAAAAAAAAAAAAAAAAAAAAAECcAABAnAAAAAAAAAAAAAAAAAAAAAAAAAAAAAAAAAAAAAAAAAAAAABQAAAAAAAAAwMD/AAAAAABkAAAAMgAAAAAAAABkAAAAAAAAAH9/fwAKAAAAHwAAAFQAAAAAAAAFAAAAAQAAAAAAAAAAAAAAAAAAAAAAAAAAAAAAAAAAAAAAAAAAAAAAAn9/fwAAAAADzMzMAMDA/wB/f38AAAAAAAAAAAAAAAAAAAAAAAAAAAAhAAAAGAAAABQAAADQAgAAGycAAPAPAABZKQAAEAAAACYAAAAIAAAAAAAAAAAAAAA="/>
               </a:ext>
             </a:extLst>
           </p:cNvSpPr>
@@ -1940,7 +1940,7 @@
           <a:lstStyle/>
           <a:p>
             <a:pPr/>
-            <a:fld id="{47B703E4-AAAA-E2F5-E40F-5CA04D411209}" type="datetime1">
+            <a:fld id="{01E550CF-81EC-B0A6-A25D-77F31E135422}" type="datetime1">
               <a:t/>
             </a:fld>
           </a:p>
@@ -1953,7 +1953,7 @@
             <a:spLocks noGrp="1" noChangeArrowheads="1"/>
             <a:extLst>
               <a:ext uri="smNativeData">
-                <pr:smNativeData xmlns:pr="smNativeData" val="SMDATA_13_BbpsXRMAAAAlAAAAZAAAAA8BAAAAkAAAAEgAAACQAAAASAAAAAAAAAABAAAAAAAAAAEAAABQAAAAAAAAAAAA4D8AAAAAAADgPwAAAAAAAOA/AAAAAAAA4D8AAAAAAADgPwAAAAAAAOA/AAAAAAAA4D8AAAAAAADgPwAAAAAAAOA/AAAAAAAA4D8CAAAAjAAAAAAAAAAAAAAAu+DjDP///wgAAAAAAAAAAAAAAAAAAAAAAAAAAAAAAAAAAAAAZAAAAAEAAABAAAAAAAAAAAAAAAAAAAAAAAAAAAAAAAAAAAAAAAAAAAAAAAAAAAAAAAAAAAAAAAAAAAAAAAAAAAAAAAAAAAAAAAAAAAAAAAAAAAAAAAAAAAAAAAAAAAAAFAAAADwAAAAAAAAAAAAAAAAAAAkUAAAAAQAAABQAAAAUAAAAFAAAAAEAAAAAAAAAZAAAAGQAAAAAAAAAZAAAAGQAAAAVAAAAYAAAAAAAAAAAAAAADwAAACADAAAAAAAAAAAAAAEAAACgMgAAVgcAAKr4//8BAAAAf39/AAEAAABkAAAAAAAAABQAAABAHwAAAAAAACYAAAAAAAAAwOD//wAAAAAmAAAAZAAAABYAAABMAAAAAAAAAAAAAAAEAAAAAAAAAAEAAACAgIAKAAAAACgAAAAoAAAAZAAAAGQAAAAAAAAAzMzMAAAAAABQAAAAUAAAAGQAAABkAAAAAAAAABcAAAAUAAAAAAAAAAAAAAD/fwAA/38AAAAAAAAJAAAABAAAAAAAAAAMAAAAEAAAAAAAAAAAAAAAAAAAAAAAAAAeAAAAaAAAAAAAAAAAAAAAAAAAAAAAAAAAAAAAECcAABAnAAAAAAAAAAAAAAAAAAAAAAAAAAAAAAAAAAAAAAAAAAAAABQAAAAAAAAAwMD/AAAAAABkAAAAMgAAAAAAAABkAAAAAAAAAH9/fwAKAAAAHwAAAFQAAAAAAAAFAAAAAQAAAAAAAAAAAAAAAAAAAAAAAAAAAAAAAAAAAAAAAAAAAAAAAn9/fwAAAAADzMzMAMDA/wB/f38AAAAAAAAAAAAAAAAAAAAAAAAAAAAhAAAAGAAAABQAAAA4EwAAGycAAAglAABZKQAAEAAAACYAAAAIAAAAAAAAAAAAAAA="/>
+                <pr:smNativeData xmlns:pr="smNativeData" val="SMDATA_13_IrKAXRMAAAAlAAAAZAAAAA8BAAAAkAAAAEgAAACQAAAASAAAAAAAAAABAAAAAAAAAAEAAABQAAAAAAAAAAAA4D8AAAAAAADgPwAAAAAAAOA/AAAAAAAA4D8AAAAAAADgPwAAAAAAAOA/AAAAAAAA4D8AAAAAAADgPwAAAAAAAOA/AAAAAAAA4D8CAAAAjAAAAAAAAAAAAAAAu+DjDP///wgAAAAAAAAAAAAAAAAAAAAAAAAAAAAAAAAAAAAAZAAAAAEAAABAAAAAAAAAAAAAAAAAAAAAAAAAAAAAAAAAAAAAAAAAAAAAAAAAAAAAAAAAAAAAAAAAAAAAAAAAAAAAAAAAAAAAAAAAAAAAAAAAAAAAAAAAAAAAAAAAAAAAFAAAADwAAAAAAAAAAAAAAAAAAAkUAAAAAQAAABQAAAAUAAAAFAAAAAEAAAAAAAAAZAAAAGQAAAAAAAAAZAAAAGQAAAAVAAAAYAAAAAAAAAAAAAAADwAAACADAAAAAAAAAAAAAAEAAACgMgAAVgcAAKr4//8BAAAAf39/AAEAAABkAAAAAAAAABQAAABAHwAAAAAAACYAAAAAAAAAwOD//wAAAAAmAAAAZAAAABYAAABMAAAAAAAAAAAAAAAEAAAAAAAAAAEAAACAgIAKAAAAACgAAAAoAAAAZAAAAGQAAAAAAAAAzMzMAAAAAABQAAAAUAAAAGQAAABkAAAAAAAAABcAAAAUAAAAAAAAAAAAAAD/fwAA/38AAAAAAAAJAAAABAAAAAAAAAAMAAAAEAAAAAAAAAAAAAAAAAAAAAAAAAAeAAAAaAAAAAAAAAAAAAAAAAAAAAAAAAAAAAAAECcAABAnAAAAAAAAAAAAAAAAAAAAAAAAAAAAAAAAAAAAAAAAAAAAABQAAAAAAAAAwMD/AAAAAABkAAAAMgAAAAAAAABkAAAAAAAAAH9/fwAKAAAAHwAAAFQAAAAAAAAFAAAAAQAAAAAAAAAAAAAAAAAAAAAAAAAAAAAAAAAAAAAAAAAAAAAAAn9/fwAAAAADzMzMAMDA/wB/f38AAAAAAAAAAAAAAAAAAAAAAAAAAAAhAAAAGAAAABQAAAA4EwAAGycAAAglAABZKQAAEAAAACYAAAAIAAAAAAAAAAAAAAA="/>
               </a:ext>
             </a:extLst>
           </p:cNvSpPr>
@@ -1977,7 +1977,7 @@
             <a:spLocks noGrp="1" noChangeArrowheads="1"/>
             <a:extLst>
               <a:ext uri="smNativeData">
-                <pr:smNativeData xmlns:pr="smNativeData" val="SMDATA_13_BbpsXRMAAAAlAAAAZAAAAA8BAAAAkAAAAEgAAACQAAAASAAAAAAAAAABAAAAAAAAAAEAAABQAAAAAAAAAAAA4D8AAAAAAADgPwAAAAAAAOA/AAAAAAAA4D8AAAAAAADgPwAAAAAAAOA/AAAAAAAA4D8AAAAAAADgPwAAAAAAAOA/AAAAAAAA4D8CAAAAjAAAAAAAAAAAAAAAu+DjDP///wgAAAAAAAAAAAAAAAAAAAAAAAAAAAAAAAAAAAAAZAAAAAEAAABAAAAAAAAAAAAAAAAAAAAAAAAAAAAAAAAAAAAAAAAAAAAAAAAAAAAAAAAAAAAAAAAAAAAAAAAAAAAAAAAAAAAAAAAAAAAAAAAAAAAAAAAAAAAAAAAAAAAAFAAAADwAAAAAAAAAAAAAAAAAAAkUAAAAAQAAABQAAAAUAAAAFAAAAAEAAAAAAAAAZAAAAGQAAAAAAAAAZAAAAGQAAAAVAAAAYAAAAAAAAAAAAAAADwAAACADAAAAAAAAAAAAAAEAAACgMgAAVgcAAKr4//8BAAAAf39/AAEAAABkAAAAAAAAABQAAABAHwAAAAAAACYAAAAAAAAAwOD//wAAAAAmAAAAZAAAABYAAABMAAAAAAAAAAAAAAAEAAAAAAAAAAEAAACAgIAKAAAAACgAAAAoAAAAZAAAAGQAAAAAAAAAzMzMAAAAAABQAAAAUAAAAGQAAABkAAAAAAAAABcAAAAUAAAAAAAAAAAAAAD/fwAA/38AAAAAAAAJAAAABAAAABiwuQcMAAAAEAAAAAAAAAAAAAAAAAAAAAAAAAAeAAAAaAAAAAAAAAAAAAAAAAAAAAAAAAAAAAAAECcAABAnAAAAAAAAAAAAAAAAAAAAAAAAAAAAAAAAAAAAAAAAAAAAABQAAAAAAAAAwMD/AAAAAABkAAAAMgAAAAAAAABkAAAAAAAAAH9/fwAKAAAAHwAAAFQAAAAAAAAFAAAAAQAAAAAAAAAAAAAAAAAAAAAAAAAAAAAAAAAAAAAAAAAAAAAAAn9/fwAAAAADzMzMAMDA/wB/f38AAAAAAAAAAAAAAAAAAAAAAAAAAAAhAAAAGAAAABQAAABQKAAAGycAAHA1AABZKQAAEAAAACYAAAAIAAAAAAAAAAAAAAA="/>
+                <pr:smNativeData xmlns:pr="smNativeData" val="SMDATA_13_IrKAXRMAAAAlAAAAZAAAAA8BAAAAkAAAAEgAAACQAAAASAAAAAAAAAABAAAAAAAAAAEAAABQAAAAAAAAAAAA4D8AAAAAAADgPwAAAAAAAOA/AAAAAAAA4D8AAAAAAADgPwAAAAAAAOA/AAAAAAAA4D8AAAAAAADgPwAAAAAAAOA/AAAAAAAA4D8CAAAAjAAAAAAAAAAAAAAAu+DjDP///wgAAAAAAAAAAAAAAAAAAAAAAAAAAAAAAAAAAAAAZAAAAAEAAABAAAAAAAAAAAAAAAAAAAAAAAAAAAAAAAAAAAAAAAAAAAAAAAAAAAAAAAAAAAAAAAAAAAAAAAAAAAAAAAAAAAAAAAAAAAAAAAAAAAAAAAAAAAAAAAAAAAAAFAAAADwAAAAAAAAAAAAAAAAAAAkUAAAAAQAAABQAAAAUAAAAFAAAAAEAAAAAAAAAZAAAAGQAAAAAAAAAZAAAAGQAAAAVAAAAYAAAAAAAAAAAAAAADwAAACADAAAAAAAAAAAAAAEAAACgMgAAVgcAAKr4//8BAAAAf39/AAEAAABkAAAAAAAAABQAAABAHwAAAAAAACYAAAAAAAAAwOD//wAAAAAmAAAAZAAAABYAAABMAAAAAAAAAAAAAAAEAAAAAAAAAAEAAACAgIAKAAAAACgAAAAoAAAAZAAAAGQAAAAAAAAAzMzMAAAAAABQAAAAUAAAAGQAAABkAAAAAAAAABcAAAAUAAAAAAAAAAAAAAD/fwAA/38AAAAAAAAJAAAABAAAABiwuQcMAAAAEAAAAAAAAAAAAAAAAAAAAAAAAAAeAAAAaAAAAAAAAAAAAAAAAAAAAAAAAAAAAAAAECcAABAnAAAAAAAAAAAAAAAAAAAAAAAAAAAAAAAAAAAAAAAAAAAAABQAAAAAAAAAwMD/AAAAAABkAAAAMgAAAAAAAABkAAAAAAAAAH9/fwAKAAAAHwAAAFQAAAAAAAAFAAAAAQAAAAAAAAAAAAAAAAAAAAAAAAAAAAAAAAAAAAAAAAAAAAAAAn9/fwAAAAADzMzMAMDA/wB/f38AAAAAAAAAAAAAAAAAAAAAAAAAAAAhAAAAGAAAABQAAABQKAAAGycAAHA1AABZKQAAEAAAACYAAAAIAAAAAAAAAAAAAAA="/>
               </a:ext>
             </a:extLst>
           </p:cNvSpPr>
@@ -1991,7 +1991,7 @@
           <a:lstStyle/>
           <a:p>
             <a:pPr/>
-            <a:fld id="{14F3DB1C-52F9-A62D-B74B-A478950541F1}" type="slidenum">
+            <a:fld id="{33466E18-56DE-1398-90FE-A0CD20B066F5}" type="slidenum">
               <a:t/>
             </a:fld>
           </a:p>
@@ -2029,7 +2029,7 @@
             <a:spLocks noGrp="1" noChangeArrowheads="1"/>
             <a:extLst>
               <a:ext uri="smNativeData">
-                <pr:smNativeData xmlns:pr="smNativeData" val="SMDATA_13_BbpsXRMAAAAlAAAAZAAAAA8BAAAAkAAAAEgAAACQAAAASAAAAAAAAAABAAAAAAAAAAEAAABQAAAAAAAAAAAA4D8AAAAAAADgPwAAAAAAAOA/AAAAAAAA4D8AAAAAAADgPwAAAAAAAOA/AAAAAAAA4D8AAAAAAADgPwAAAAAAAOA/AAAAAAAA4D8CAAAAjAAAAAAAAAAAAAAAu+DjDP///wgAAAAAAAAAAAAAAAAAAAAAAAAAAAAAAAAAAAAAZAAAAAEAAABAAAAAAAAAAAAAAAAAAAAAAAAAAAAAAAAAAAAAAAAAAAAAAAAAAAAAAAAAAAAAAAAAAAAAAAAAAAAAAAAAAAAAAAAAAAAAAAAAAAAAAAAAAAAAAAAAAAAAFAAAADwAAAAAAAAAAAAAAAAAAAkUAAAAAQAAABQAAAAUAAAAFAAAAAEAAAAAAAAAZAAAAGQAAAAAAAAAZAAAAGQAAAAVAAAAYAAAAAAAAAAAAAAADwAAACADAAAAAAAAAAAAAAEAAACgMgAAVgcAAKr4//8BAAAAf39/AAEAAABkAAAAAAAAABQAAABAHwAAAAAAACYAAAAAAAAAwOD//wAAAAAmAAAAZAAAABYAAABMAAAAAAAAAAAAAAAEAAAAAAAAAAEAAACAgIAKAAAAACgAAAAoAAAAZAAAAGQAAAAAAAAAzMzMAAAAAABQAAAAUAAAAGQAAABkAAAAAAAAABcAAAAUAAAAAAAAAAAAAAD/fwAA/38AAAAAAAAJAAAABAAAAPhkuQcMAAAAEAAAAAAAAAAAAAAAAAAAAAAAAAAeAAAAaAAAAAAAAAAAAAAAAAAAAAAAAAAAAAAAECcAABAnAAAAAAAAAAAAAAAAAAAAAAAAAAAAAAAAAAAAAAAAAAAAABQAAAAAAAAAwMD/AAAAAABkAAAAMgAAAAAAAABkAAAAAAAAAH9/fwAKAAAAHwAAAFQAAAAAAAAFAAAAAQAAAAAAAAAAAAAAAAAAAAAAAAAAAAAAAAAAAAAAAAAAAAAAAn9/fwAAAAADzMzMAMDA/wB/f38AAAAAAAAAAAAAAAAAAAAAAAAAAAAhAAAAGAAAABQAAADQAgAAsAEAAHA1AAC4CAAAEAAAACYAAAAIAAAAAAAAAAAAAAA="/>
+                <pr:smNativeData xmlns:pr="smNativeData" val="SMDATA_13_IrKAXRMAAAAlAAAAZAAAAA8BAAAAkAAAAEgAAACQAAAASAAAAAAAAAABAAAAAAAAAAEAAABQAAAAAAAAAAAA4D8AAAAAAADgPwAAAAAAAOA/AAAAAAAA4D8AAAAAAADgPwAAAAAAAOA/AAAAAAAA4D8AAAAAAADgPwAAAAAAAOA/AAAAAAAA4D8CAAAAjAAAAAAAAAAAAAAAu+DjDP///wgAAAAAAAAAAAAAAAAAAAAAAAAAAAAAAAAAAAAAZAAAAAEAAABAAAAAAAAAAAAAAAAAAAAAAAAAAAAAAAAAAAAAAAAAAAAAAAAAAAAAAAAAAAAAAAAAAAAAAAAAAAAAAAAAAAAAAAAAAAAAAAAAAAAAAAAAAAAAAAAAAAAAFAAAADwAAAAAAAAAAAAAAAAAAAkUAAAAAQAAABQAAAAUAAAAFAAAAAEAAAAAAAAAZAAAAGQAAAAAAAAAZAAAAGQAAAAVAAAAYAAAAAAAAAAAAAAADwAAACADAAAAAAAAAAAAAAEAAACgMgAAVgcAAKr4//8BAAAAf39/AAEAAABkAAAAAAAAABQAAABAHwAAAAAAACYAAAAAAAAAwOD//wAAAAAmAAAAZAAAABYAAABMAAAAAAAAAAAAAAAEAAAAAAAAAAEAAACAgIAKAAAAACgAAAAoAAAAZAAAAGQAAAAAAAAAzMzMAAAAAABQAAAAUAAAAGQAAABkAAAAAAAAABcAAAAUAAAAAAAAAAAAAAD/fwAA/38AAAAAAAAJAAAABAAAAPhkuQcMAAAAEAAAAAAAAAAAAAAAAAAAAAAAAAAeAAAAaAAAAAAAAAAAAAAAAAAAAAAAAAAAAAAAECcAABAnAAAAAAAAAAAAAAAAAAAAAAAAAAAAAAAAAAAAAAAAAAAAABQAAAAAAAAAwMD/AAAAAABkAAAAMgAAAAAAAABkAAAAAAAAAH9/fwAKAAAAHwAAAFQAAAAAAAAFAAAAAQAAAAAAAAAAAAAAAAAAAAAAAAAAAAAAAAAAAAAAAAAAAAAAAn9/fwAAAAADzMzMAMDA/wB/f38AAAAAAAAAAAAAAAAAAAAAAAAAAAAhAAAAGAAAABQAAADQAgAAsAEAAHA1AAC4CAAAEAAAACYAAAAIAAAAAAAAAAAAAAA="/>
               </a:ext>
             </a:extLst>
           </p:cNvSpPr>
@@ -2056,7 +2056,7 @@
             <a:spLocks noGrp="1" noChangeArrowheads="1"/>
             <a:extLst>
               <a:ext uri="smNativeData">
-                <pr:smNativeData xmlns:pr="smNativeData" val="SMDATA_13_BbpsXRMAAAAlAAAAZAAAAA8BAAAAkAAAAEgAAACQAAAASAAAAAAAAAABAAAAAAAAAAEAAABQAAAAAAAAAAAA4D8AAAAAAADgPwAAAAAAAOA/AAAAAAAA4D8AAAAAAADgPwAAAAAAAOA/AAAAAAAA4D8AAAAAAADgPwAAAAAAAOA/AAAAAAAA4D8CAAAAjAAAAAAAAAAAAAAAu+DjDP///wgAAAAAAAAAAAAAAAAAAAAAAAAAAAAAAAAAAAAAZAAAAAEAAABAAAAAAAAAAAAAAAAAAAAAAAAAAAAAAAAAAAAAAAAAAAAAAAAAAAAAAAAAAAAAAAAAAAAAAAAAAAAAAAAAAAAAAAAAAAAAAAAAAAAAAAAAAAAAAAAAAAAAFAAAADwAAAAAAAAAAAAAAAAAAAkUAAAAAQAAABQAAAAUAAAAFAAAAAEAAAAAAAAAZAAAAGQAAAAAAAAAZAAAAGQAAAAVAAAAYAAAAAAAAAAAAAAADwAAACADAAAAAAAAAAAAAAEAAACgMgAAVgcAAKr4//8BAAAAf39/AAEAAABkAAAAAAAAABQAAABAHwAAAAAAACYAAAAAAAAAwOD//wAAAAAmAAAAZAAAABYAAABMAAAAAAAAAAAAAAAEAAAAAAAAAAEAAACAgIAKAAAAACgAAAAoAAAAZAAAAGQAAAAAAAAAzMzMAAAAAABQAAAAUAAAAGQAAABkAAAAAAAAABcAAAAUAAAAAAAAAAAAAAD/fwAA/38AAAAAAAAJAAAABAAAAAAAAAAMAAAAEAAAAAAAAAAAAAAAAAAAAAAAAAAeAAAAaAAAAAAAAAAAAAAAAAAAAAAAAAAAAAAAECcAABAnAAAAAAAAAAAAAAAAAAAAAAAAAAAAAAAAAAAAAAAAAAAAABQAAAAAAAAAwMD/AAAAAABkAAAAMgAAAAAAAABkAAAAAAAAAH9/fwAKAAAAHwAAAFQAAAAAAAAFAAAAAQAAAAAAAAAAAAAAAAAAAAAAAAAAAAAAAAAAAAAAAAAAAAAAAn9/fwAAAAADzMzMAMDA/wB/f38AAAAAAAAAAAAAAAAAAAAAAAAAAAAhAAAAGAAAABQAAADQAgAAGycAAPAPAABZKQAAEAAAACYAAAAIAAAAAAAAAAAAAAA="/>
+                <pr:smNativeData xmlns:pr="smNativeData" val="SMDATA_13_IrKAXRMAAAAlAAAAZAAAAA8BAAAAkAAAAEgAAACQAAAASAAAAAAAAAABAAAAAAAAAAEAAABQAAAAAAAAAAAA4D8AAAAAAADgPwAAAAAAAOA/AAAAAAAA4D8AAAAAAADgPwAAAAAAAOA/AAAAAAAA4D8AAAAAAADgPwAAAAAAAOA/AAAAAAAA4D8CAAAAjAAAAAAAAAAAAAAAu+DjDP///wgAAAAAAAAAAAAAAAAAAAAAAAAAAAAAAAAAAAAAZAAAAAEAAABAAAAAAAAAAAAAAAAAAAAAAAAAAAAAAAAAAAAAAAAAAAAAAAAAAAAAAAAAAAAAAAAAAAAAAAAAAAAAAAAAAAAAAAAAAAAAAAAAAAAAAAAAAAAAAAAAAAAAFAAAADwAAAAAAAAAAAAAAAAAAAkUAAAAAQAAABQAAAAUAAAAFAAAAAEAAAAAAAAAZAAAAGQAAAAAAAAAZAAAAGQAAAAVAAAAYAAAAAAAAAAAAAAADwAAACADAAAAAAAAAAAAAAEAAACgMgAAVgcAAKr4//8BAAAAf39/AAEAAABkAAAAAAAAABQAAABAHwAAAAAAACYAAAAAAAAAwOD//wAAAAAmAAAAZAAAABYAAABMAAAAAAAAAAAAAAAEAAAAAAAAAAEAAACAgIAKAAAAACgAAAAoAAAAZAAAAGQAAAAAAAAAzMzMAAAAAABQAAAAUAAAAGQAAABkAAAAAAAAABcAAAAUAAAAAAAAAAAAAAD/fwAA/38AAAAAAAAJAAAABAAAAAAAAAAMAAAAEAAAAAAAAAAAAAAAAAAAAAAAAAAeAAAAaAAAAAAAAAAAAAAAAAAAAAAAAAAAAAAAECcAABAnAAAAAAAAAAAAAAAAAAAAAAAAAAAAAAAAAAAAAAAAAAAAABQAAAAAAAAAwMD/AAAAAABkAAAAMgAAAAAAAABkAAAAAAAAAH9/fwAKAAAAHwAAAFQAAAAAAAAFAAAAAQAAAAAAAAAAAAAAAAAAAAAAAAAAAAAAAAAAAAAAAAAAAAAAAn9/fwAAAAADzMzMAMDA/wB/f38AAAAAAAAAAAAAAAAAAAAAAAAAAAAhAAAAGAAAABQAAADQAgAAGycAAPAPAABZKQAAEAAAACYAAAAIAAAAAAAAAAAAAAA="/>
               </a:ext>
             </a:extLst>
           </p:cNvSpPr>
@@ -2070,7 +2070,7 @@
           <a:lstStyle/>
           <a:p>
             <a:pPr/>
-            <a:fld id="{675B2D5B-158A-0EDB-C4E3-E38E63AD32B6}" type="datetime1">
+            <a:fld id="{1B3CE953-1DF6-691F-B884-EB4AA7CA4EBE}" type="datetime1">
               <a:t/>
             </a:fld>
           </a:p>
@@ -2083,7 +2083,7 @@
             <a:spLocks noGrp="1" noChangeArrowheads="1"/>
             <a:extLst>
               <a:ext uri="smNativeData">
-                <pr:smNativeData xmlns:pr="smNativeData" val="SMDATA_13_BbpsXRMAAAAlAAAAZAAAAA8BAAAAkAAAAEgAAACQAAAASAAAAAAAAAABAAAAAAAAAAEAAABQAAAAAAAAAAAA4D8AAAAAAADgPwAAAAAAAOA/AAAAAAAA4D8AAAAAAADgPwAAAAAAAOA/AAAAAAAA4D8AAAAAAADgPwAAAAAAAOA/AAAAAAAA4D8CAAAAjAAAAAAAAAAAAAAAu+DjDP///wgAAAAAAAAAAAAAAAAAAAAAAAAAAAAAAAAAAAAAZAAAAAEAAABAAAAAAAAAAAAAAAAAAAAAAAAAAAAAAAAAAAAAAAAAAAAAAAAAAAAAAAAAAAAAAAAAAAAAAAAAAAAAAAAAAAAAAAAAAAAAAAAAAAAAAAAAAAAAAAAAAAAAFAAAADwAAAAAAAAAAAAAAAAAAAkUAAAAAQAAABQAAAAUAAAAFAAAAAEAAAAAAAAAZAAAAGQAAAAAAAAAZAAAAGQAAAAVAAAAYAAAAAAAAAAAAAAADwAAACADAAAAAAAAAAAAAAEAAACgMgAAVgcAAKr4//8BAAAAf39/AAEAAABkAAAAAAAAABQAAABAHwAAAAAAACYAAAAAAAAAwOD//wAAAAAmAAAAZAAAABYAAABMAAAAAAAAAAAAAAAEAAAAAAAAAAEAAACAgIAKAAAAACgAAAAoAAAAZAAAAGQAAAAAAAAAzMzMAAAAAABQAAAAUAAAAGQAAABkAAAAAAAAABcAAAAUAAAAAAAAAAAAAAD/fwAA/38AAAAAAAAJAAAABAAAAHhOuQcMAAAAEAAAAAAAAAAAAAAAAAAAAAAAAAAeAAAAaAAAAAAAAAAAAAAAAAAAAAAAAAAAAAAAECcAABAnAAAAAAAAAAAAAAAAAAAAAAAAAAAAAAAAAAAAAAAAAAAAABQAAAAAAAAAwMD/AAAAAABkAAAAMgAAAAAAAABkAAAAAAAAAH9/fwAKAAAAHwAAAFQAAAAAAAAFAAAAAQAAAAAAAAAAAAAAAAAAAAAAAAAAAAAAAAAAAAAAAAAAAAAAAn9/fwAAAAADzMzMAMDA/wB/f38AAAAAAAAAAAAAAAAAAAAAAAAAAAAhAAAAGAAAABQAAAA4EwAAGycAAAglAABZKQAAEAAAACYAAAAIAAAAAAAAAAAAAAA="/>
+                <pr:smNativeData xmlns:pr="smNativeData" val="SMDATA_13_IrKAXRMAAAAlAAAAZAAAAA8BAAAAkAAAAEgAAACQAAAASAAAAAAAAAABAAAAAAAAAAEAAABQAAAAAAAAAAAA4D8AAAAAAADgPwAAAAAAAOA/AAAAAAAA4D8AAAAAAADgPwAAAAAAAOA/AAAAAAAA4D8AAAAAAADgPwAAAAAAAOA/AAAAAAAA4D8CAAAAjAAAAAAAAAAAAAAAu+DjDP///wgAAAAAAAAAAAAAAAAAAAAAAAAAAAAAAAAAAAAAZAAAAAEAAABAAAAAAAAAAAAAAAAAAAAAAAAAAAAAAAAAAAAAAAAAAAAAAAAAAAAAAAAAAAAAAAAAAAAAAAAAAAAAAAAAAAAAAAAAAAAAAAAAAAAAAAAAAAAAAAAAAAAAFAAAADwAAAAAAAAAAAAAAAAAAAkUAAAAAQAAABQAAAAUAAAAFAAAAAEAAAAAAAAAZAAAAGQAAAAAAAAAZAAAAGQAAAAVAAAAYAAAAAAAAAAAAAAADwAAACADAAAAAAAAAAAAAAEAAACgMgAAVgcAAKr4//8BAAAAf39/AAEAAABkAAAAAAAAABQAAABAHwAAAAAAACYAAAAAAAAAwOD//wAAAAAmAAAAZAAAABYAAABMAAAAAAAAAAAAAAAEAAAAAAAAAAEAAACAgIAKAAAAACgAAAAoAAAAZAAAAGQAAAAAAAAAzMzMAAAAAABQAAAAUAAAAGQAAABkAAAAAAAAABcAAAAUAAAAAAAAAAAAAAD/fwAA/38AAAAAAAAJAAAABAAAAHhOuQcMAAAAEAAAAAAAAAAAAAAAAAAAAAAAAAAeAAAAaAAAAAAAAAAAAAAAAAAAAAAAAAAAAAAAECcAABAnAAAAAAAAAAAAAAAAAAAAAAAAAAAAAAAAAAAAAAAAAAAAABQAAAAAAAAAwMD/AAAAAABkAAAAMgAAAAAAAABkAAAAAAAAAH9/fwAKAAAAHwAAAFQAAAAAAAAFAAAAAQAAAAAAAAAAAAAAAAAAAAAAAAAAAAAAAAAAAAAAAAAAAAAAAn9/fwAAAAADzMzMAMDA/wB/f38AAAAAAAAAAAAAAAAAAAAAAAAAAAAhAAAAGAAAABQAAAA4EwAAGycAAAglAABZKQAAEAAAACYAAAAIAAAAAAAAAAAAAAA="/>
               </a:ext>
             </a:extLst>
           </p:cNvSpPr>
@@ -2107,7 +2107,7 @@
             <a:spLocks noGrp="1" noChangeArrowheads="1"/>
             <a:extLst>
               <a:ext uri="smNativeData">
-                <pr:smNativeData xmlns:pr="smNativeData" val="SMDATA_13_BbpsXRMAAAAlAAAAZAAAAA8BAAAAkAAAAEgAAACQAAAASAAAAAAAAAABAAAAAAAAAAEAAABQAAAAAAAAAAAA4D8AAAAAAADgPwAAAAAAAOA/AAAAAAAA4D8AAAAAAADgPwAAAAAAAOA/AAAAAAAA4D8AAAAAAADgPwAAAAAAAOA/AAAAAAAA4D8CAAAAjAAAAAAAAAAAAAAAu+DjDP///wgAAAAAAAAAAAAAAAAAAAAAAAAAAAAAAAAAAAAAZAAAAAEAAABAAAAAAAAAAAAAAAAAAAAAAAAAAAAAAAAAAAAAAAAAAAAAAAAAAAAAAAAAAAAAAAAAAAAAAAAAAAAAAAAAAAAAAAAAAAAAAAAAAAAAAAAAAAAAAAAAAAAAFAAAADwAAAAAAAAAAAAAAAAAAAkUAAAAAQAAABQAAAAUAAAAFAAAAAEAAAAAAAAAZAAAAGQAAAAAAAAAZAAAAGQAAAAVAAAAYAAAAAAAAAAAAAAADwAAACADAAAAAAAAAAAAAAEAAACgMgAAVgcAAKr4//8BAAAAf39/AAEAAABkAAAAAAAAABQAAABAHwAAAAAAACYAAAAAAAAAwOD//wAAAAAmAAAAZAAAABYAAABMAAAAAAAAAAAAAAAEAAAAAAAAAAEAAACAgIAKAAAAACgAAAAoAAAAZAAAAGQAAAAAAAAAzMzMAAAAAABQAAAAUAAAAGQAAABkAAAAAAAAABcAAAAUAAAAAAAAAAAAAAD/fwAA/38AAAAAAAAJAAAABAAAAAAAAAAMAAAAEAAAAAAAAAAAAAAAAAAAAAAAAAAeAAAAaAAAAAAAAAAAAAAAAAAAAAAAAAAAAAAAECcAABAnAAAAAAAAAAAAAAAAAAAAAAAAAAAAAAAAAAAAAAAAAAAAABQAAAAAAAAAwMD/AAAAAABkAAAAMgAAAAAAAABkAAAAAAAAAH9/fwAKAAAAHwAAAFQAAAAAAAAFAAAAAQAAAAAAAAAAAAAAAAAAAAAAAAAAAAAAAAAAAAAAAAAAAAAAAn9/fwAAAAADzMzMAMDA/wB/f38AAAAAAAAAAAAAAAAAAAAAAAAAAAAhAAAAGAAAABQAAABQKAAAGycAAHA1AABZKQAAEAAAACYAAAAIAAAAAAAAAAAAAAA="/>
+                <pr:smNativeData xmlns:pr="smNativeData" val="SMDATA_13_IrKAXRMAAAAlAAAAZAAAAA8BAAAAkAAAAEgAAACQAAAASAAAAAAAAAABAAAAAAAAAAEAAABQAAAAAAAAAAAA4D8AAAAAAADgPwAAAAAAAOA/AAAAAAAA4D8AAAAAAADgPwAAAAAAAOA/AAAAAAAA4D8AAAAAAADgPwAAAAAAAOA/AAAAAAAA4D8CAAAAjAAAAAAAAAAAAAAAu+DjDP///wgAAAAAAAAAAAAAAAAAAAAAAAAAAAAAAAAAAAAAZAAAAAEAAABAAAAAAAAAAAAAAAAAAAAAAAAAAAAAAAAAAAAAAAAAAAAAAAAAAAAAAAAAAAAAAAAAAAAAAAAAAAAAAAAAAAAAAAAAAAAAAAAAAAAAAAAAAAAAAAAAAAAAFAAAADwAAAAAAAAAAAAAAAAAAAkUAAAAAQAAABQAAAAUAAAAFAAAAAEAAAAAAAAAZAAAAGQAAAAAAAAAZAAAAGQAAAAVAAAAYAAAAAAAAAAAAAAADwAAACADAAAAAAAAAAAAAAEAAACgMgAAVgcAAKr4//8BAAAAf39/AAEAAABkAAAAAAAAABQAAABAHwAAAAAAACYAAAAAAAAAwOD//wAAAAAmAAAAZAAAABYAAABMAAAAAAAAAAAAAAAEAAAAAAAAAAEAAACAgIAKAAAAACgAAAAoAAAAZAAAAGQAAAAAAAAAzMzMAAAAAABQAAAAUAAAAGQAAABkAAAAAAAAABcAAAAUAAAAAAAAAAAAAAD/fwAA/38AAAAAAAAJAAAABAAAAAAAAAAMAAAAEAAAAAAAAAAAAAAAAAAAAAAAAAAeAAAAaAAAAAAAAAAAAAAAAAAAAAAAAAAAAAAAECcAABAnAAAAAAAAAAAAAAAAAAAAAAAAAAAAAAAAAAAAAAAAAAAAABQAAAAAAAAAwMD/AAAAAABkAAAAMgAAAAAAAABkAAAAAAAAAH9/fwAKAAAAHwAAAFQAAAAAAAAFAAAAAQAAAAAAAAAAAAAAAAAAAAAAAAAAAAAAAAAAAAAAAAAAAAAAAn9/fwAAAAADzMzMAMDA/wB/f38AAAAAAAAAAAAAAAAAAAAAAAAAAAAhAAAAGAAAABQAAABQKAAAGycAAHA1AABZKQAAEAAAACYAAAAIAAAAAAAAAAAAAAA="/>
               </a:ext>
             </a:extLst>
           </p:cNvSpPr>
@@ -2121,7 +2121,7 @@
           <a:lstStyle/>
           <a:p>
             <a:pPr/>
-            <a:fld id="{544A9B62-2CB9-1F6D-F7F2-DA38D5BC018F}" type="slidenum">
+            <a:fld id="{7322937C-329E-7765-D09A-C430DDD42691}" type="slidenum">
               <a:t/>
             </a:fld>
           </a:p>
@@ -2159,7 +2159,7 @@
             <a:spLocks noGrp="1" noChangeArrowheads="1"/>
             <a:extLst>
               <a:ext uri="smNativeData">
-                <pr:smNativeData xmlns:pr="smNativeData" val="SMDATA_13_BbpsXRMAAAAlAAAAZAAAAA8BAAAAkAAAAEgAAACQAAAASAAAAAAAAAABAAAAAAAAAAEAAABQAAAAAAAAAAAA4D8AAAAAAADgPwAAAAAAAOA/AAAAAAAA4D8AAAAAAADgPwAAAAAAAOA/AAAAAAAA4D8AAAAAAADgPwAAAAAAAOA/AAAAAAAA4D8CAAAAjAAAAAAAAAAAAAAAu+DjDP///wgAAAAAAAAAAAAAAAAAAAAAAAAAAAAAAAAAAAAAZAAAAAEAAABAAAAAAAAAAAAAAAAAAAAAAAAAAAAAAAAAAAAAAAAAAAAAAAAAAAAAAAAAAAAAAAAAAAAAAAAAAAAAAAAAAAAAAAAAAAAAAAAAAAAAAAAAAAAAAAAAAAAAFAAAADwAAAAAAAAAAAAAAAAAAAkUAAAAAQAAABQAAAAUAAAAFAAAAAEAAAAAAAAAZAAAAGQAAAAAAAAAZAAAAGQAAAAVAAAAYAAAAAAAAAAAAAAADwAAACADAAAAAAAAAAAAAAEAAACgMgAAVgcAAKr4//8BAAAAf39/AAEAAABkAAAAAAAAABQAAABAHwAAAAAAACYAAAAAAAAAwOD//wAAAAAmAAAAZAAAABYAAABMAAAAAAAAAAAAAAAEAAAAAAAAAAEAAACAgIAKAAAAACgAAAAoAAAAZAAAAGQAAAAAAAAAzMzMAAAAAABQAAAAUAAAAGQAAABkAAAAAAAAABcAAAAUAAAAAAAAAAAAAAD/fwAA/38AAAAAAAAJAAAABAAAAAYZAAAMAAAAEAAAAAAAAAAAAAAAAAAAAAAAAAAeAAAAaAAAAAAAAAAAAAAAAAAAAAAAAAAAAAAAECcAABAnAAAAAAAAAAAAAAAAAAAAAAAAAAAAAAAAAAAAAAAAAAAAABQAAAAAAAAAwMD/AAAAAABkAAAAMgAAAAAAAABkAAAAAAAAAH9/fwAKAAAAHwAAAFQAAAAAAAAFAAAAAQAAAAAAAAAAAAAAAAAAAAAAAAAAAAAAAAAAAAAAAAAAAAAAAn9/fwAAAAADzMzMAMDA/wB/f38AAAAAAAAAAAAAAAAAAAAAAAAAAAAhAAAAGAAAABQAAADQAgAAGycAAPAPAABZKQAAEAAAACYAAAAIAAAAAAAAAAAAAAA="/>
+                <pr:smNativeData xmlns:pr="smNativeData" val="SMDATA_13_IrKAXRMAAAAlAAAAZAAAAA8BAAAAkAAAAEgAAACQAAAASAAAAAAAAAABAAAAAAAAAAEAAABQAAAAAAAAAAAA4D8AAAAAAADgPwAAAAAAAOA/AAAAAAAA4D8AAAAAAADgPwAAAAAAAOA/AAAAAAAA4D8AAAAAAADgPwAAAAAAAOA/AAAAAAAA4D8CAAAAjAAAAAAAAAAAAAAAu+DjDP///wgAAAAAAAAAAAAAAAAAAAAAAAAAAAAAAAAAAAAAZAAAAAEAAABAAAAAAAAAAAAAAAAAAAAAAAAAAAAAAAAAAAAAAAAAAAAAAAAAAAAAAAAAAAAAAAAAAAAAAAAAAAAAAAAAAAAAAAAAAAAAAAAAAAAAAAAAAAAAAAAAAAAAFAAAADwAAAAAAAAAAAAAAAAAAAkUAAAAAQAAABQAAAAUAAAAFAAAAAEAAAAAAAAAZAAAAGQAAAAAAAAAZAAAAGQAAAAVAAAAYAAAAAAAAAAAAAAADwAAACADAAAAAAAAAAAAAAEAAACgMgAAVgcAAKr4//8BAAAAf39/AAEAAABkAAAAAAAAABQAAABAHwAAAAAAACYAAAAAAAAAwOD//wAAAAAmAAAAZAAAABYAAABMAAAAAAAAAAAAAAAEAAAAAAAAAAEAAACAgIAKAAAAACgAAAAoAAAAZAAAAGQAAAAAAAAAzMzMAAAAAABQAAAAUAAAAGQAAABkAAAAAAAAABcAAAAUAAAAAAAAAAAAAAD/fwAA/38AAAAAAAAJAAAABAAAAAYZAAAMAAAAEAAAAAAAAAAAAAAAAAAAAAAAAAAeAAAAaAAAAAAAAAAAAAAAAAAAAAAAAAAAAAAAECcAABAnAAAAAAAAAAAAAAAAAAAAAAAAAAAAAAAAAAAAAAAAAAAAABQAAAAAAAAAwMD/AAAAAABkAAAAMgAAAAAAAABkAAAAAAAAAH9/fwAKAAAAHwAAAFQAAAAAAAAFAAAAAQAAAAAAAAAAAAAAAAAAAAAAAAAAAAAAAAAAAAAAAAAAAAAAAn9/fwAAAAADzMzMAMDA/wB/f38AAAAAAAAAAAAAAAAAAAAAAAAAAAAhAAAAGAAAABQAAADQAgAAGycAAPAPAABZKQAAEAAAACYAAAAIAAAAAAAAAAAAAAA="/>
               </a:ext>
             </a:extLst>
           </p:cNvSpPr>
@@ -2173,7 +2173,7 @@
           <a:lstStyle/>
           <a:p>
             <a:pPr/>
-            <a:fld id="{3479C729-67D9-2C31-97C1-9164898F61C4}" type="datetime1">
+            <a:fld id="{66072E7A-348B-52D8-C5BF-C28D60F13397}" type="datetime1">
               <a:t/>
             </a:fld>
           </a:p>
@@ -2186,7 +2186,7 @@
             <a:spLocks noGrp="1" noChangeArrowheads="1"/>
             <a:extLst>
               <a:ext uri="smNativeData">
-                <pr:smNativeData xmlns:pr="smNativeData" val="SMDATA_13_BbpsXRMAAAAlAAAAZAAAAA8BAAAAkAAAAEgAAACQAAAASAAAAAAAAAABAAAAAAAAAAEAAABQAAAAAAAAAAAA4D8AAAAAAADgPwAAAAAAAOA/AAAAAAAA4D8AAAAAAADgPwAAAAAAAOA/AAAAAAAA4D8AAAAAAADgPwAAAAAAAOA/AAAAAAAA4D8CAAAAjAAAAAAAAAAAAAAAu+DjDP///wgAAAAAAAAAAAAAAAAAAAAAAAAAAAAAAAAAAAAAZAAAAAEAAABAAAAAAAAAAAAAAAAAAAAAAAAAAAAAAAAAAAAAAAAAAAAAAAAAAAAAAAAAAAAAAAAAAAAAAAAAAAAAAAAAAAAAAAAAAAAAAAAAAAAAAAAAAAAAAAAAAAAAFAAAADwAAAAAAAAAAAAAAAAAAAkUAAAAAQAAABQAAAAUAAAAFAAAAAEAAAAAAAAAZAAAAGQAAAAAAAAAZAAAAGQAAAAVAAAAYAAAAAAAAAAAAAAADwAAACADAAAAAAAAAAAAAAEAAACgMgAAVgcAAKr4//8BAAAAf39/AAEAAABkAAAAAAAAABQAAABAHwAAAAAAACYAAAAAAAAAwOD//wAAAAAmAAAAZAAAABYAAABMAAAAAAAAAAAAAAAEAAAAAAAAAAEAAACAgIAKAAAAACgAAAAoAAAAZAAAAGQAAAAAAAAAzMzMAAAAAABQAAAAUAAAAGQAAABkAAAAAAAAABcAAAAUAAAAAAAAAAAAAAD/fwAA/38AAAAAAAAJAAAABAAAAAAAAAAMAAAAEAAAAAAAAAAAAAAAAAAAAAAAAAAeAAAAaAAAAAAAAAAAAAAAAAAAAAAAAAAAAAAAECcAABAnAAAAAAAAAAAAAAAAAAAAAAAAAAAAAAAAAAAAAAAAAAAAABQAAAAAAAAAwMD/AAAAAABkAAAAMgAAAAAAAABkAAAAAAAAAH9/fwAKAAAAHwAAAFQAAAAAAAAFAAAAAQAAAAAAAAAAAAAAAAAAAAAAAAAAAAAAAAAAAAAAAAAAAAAAAn9/fwAAAAADzMzMAMDA/wB/f38AAAAAAAAAAAAAAAAAAAAAAAAAAAAhAAAAGAAAABQAAAA4EwAAGycAAAglAABZKQAAEAAAACYAAAAIAAAAAAAAAAAAAAA="/>
+                <pr:smNativeData xmlns:pr="smNativeData" val="SMDATA_13_IrKAXRMAAAAlAAAAZAAAAA8BAAAAkAAAAEgAAACQAAAASAAAAAAAAAABAAAAAAAAAAEAAABQAAAAAAAAAAAA4D8AAAAAAADgPwAAAAAAAOA/AAAAAAAA4D8AAAAAAADgPwAAAAAAAOA/AAAAAAAA4D8AAAAAAADgPwAAAAAAAOA/AAAAAAAA4D8CAAAAjAAAAAAAAAAAAAAAu+DjDP///wgAAAAAAAAAAAAAAAAAAAAAAAAAAAAAAAAAAAAAZAAAAAEAAABAAAAAAAAAAAAAAAAAAAAAAAAAAAAAAAAAAAAAAAAAAAAAAAAAAAAAAAAAAAAAAAAAAAAAAAAAAAAAAAAAAAAAAAAAAAAAAAAAAAAAAAAAAAAAAAAAAAAAFAAAADwAAAAAAAAAAAAAAAAAAAkUAAAAAQAAABQAAAAUAAAAFAAAAAEAAAAAAAAAZAAAAGQAAAAAAAAAZAAAAGQAAAAVAAAAYAAAAAAAAAAAAAAADwAAACADAAAAAAAAAAAAAAEAAACgMgAAVgcAAKr4//8BAAAAf39/AAEAAABkAAAAAAAAABQAAABAHwAAAAAAACYAAAAAAAAAwOD//wAAAAAmAAAAZAAAABYAAABMAAAAAAAAAAAAAAAEAAAAAAAAAAEAAACAgIAKAAAAACgAAAAoAAAAZAAAAGQAAAAAAAAAzMzMAAAAAABQAAAAUAAAAGQAAABkAAAAAAAAABcAAAAUAAAAAAAAAAAAAAD/fwAA/38AAAAAAAAJAAAABAAAAAAAAAAMAAAAEAAAAAAAAAAAAAAAAAAAAAAAAAAeAAAAaAAAAAAAAAAAAAAAAAAAAAAAAAAAAAAAECcAABAnAAAAAAAAAAAAAAAAAAAAAAAAAAAAAAAAAAAAAAAAAAAAABQAAAAAAAAAwMD/AAAAAABkAAAAMgAAAAAAAABkAAAAAAAAAH9/fwAKAAAAHwAAAFQAAAAAAAAFAAAAAQAAAAAAAAAAAAAAAAAAAAAAAAAAAAAAAAAAAAAAAAAAAAAAAn9/fwAAAAADzMzMAMDA/wB/f38AAAAAAAAAAAAAAAAAAAAAAAAAAAAhAAAAGAAAABQAAAA4EwAAGycAAAglAABZKQAAEAAAACYAAAAIAAAAAAAAAAAAAAA="/>
               </a:ext>
             </a:extLst>
           </p:cNvSpPr>
@@ -2210,7 +2210,7 @@
             <a:spLocks noGrp="1" noChangeArrowheads="1"/>
             <a:extLst>
               <a:ext uri="smNativeData">
-                <pr:smNativeData xmlns:pr="smNativeData" val="SMDATA_13_BbpsXRMAAAAlAAAAZAAAAA8BAAAAkAAAAEgAAACQAAAASAAAAAAAAAABAAAAAAAAAAEAAABQAAAAAAAAAAAA4D8AAAAAAADgPwAAAAAAAOA/AAAAAAAA4D8AAAAAAADgPwAAAAAAAOA/AAAAAAAA4D8AAAAAAADgPwAAAAAAAOA/AAAAAAAA4D8CAAAAjAAAAAAAAAAAAAAAu+DjDP///wgAAAAAAAAAAAAAAAAAAAAAAAAAAAAAAAAAAAAAZAAAAAEAAABAAAAAAAAAAAAAAAAAAAAAAAAAAAAAAAAAAAAAAAAAAAAAAAAAAAAAAAAAAAAAAAAAAAAAAAAAAAAAAAAAAAAAAAAAAAAAAAAAAAAAAAAAAAAAAAAAAAAAFAAAADwAAAAAAAAAAAAAAAAAAAkUAAAAAQAAABQAAAAUAAAAFAAAAAEAAAAAAAAAZAAAAGQAAAAAAAAAZAAAAGQAAAAVAAAAYAAAAAAAAAAAAAAADwAAACADAAAAAAAAAAAAAAEAAACgMgAAVgcAAKr4//8BAAAAf39/AAEAAABkAAAAAAAAABQAAABAHwAAAAAAACYAAAAAAAAAwOD//wAAAAAmAAAAZAAAABYAAABMAAAAAAAAAAAAAAAEAAAAAAAAAAEAAACAgIAKAAAAACgAAAAoAAAAZAAAAGQAAAAAAAAAzMzMAAAAAABQAAAAUAAAAGQAAABkAAAAAAAAABcAAAAUAAAAAAAAAAAAAAD/fwAA/38AAAAAAAAJAAAABAAAAAAAAAAMAAAAEAAAAAAAAAAAAAAAAAAAAAAAAAAeAAAAaAAAAAAAAAAAAAAAAAAAAAAAAAAAAAAAECcAABAnAAAAAAAAAAAAAAAAAAAAAAAAAAAAAAAAAAAAAAAAAAAAABQAAAAAAAAAwMD/AAAAAABkAAAAMgAAAAAAAABkAAAAAAAAAH9/fwAKAAAAHwAAAFQAAAAAAAAFAAAAAQAAAAAAAAAAAAAAAAAAAAAAAAAAAAAAAAAAAAAAAAAAAAAAAn9/fwAAAAADzMzMAMDA/wB/f38AAAAAAAAAAAAAAAAAAAAAAAAAAAAhAAAAGAAAABQAAABQKAAAGycAAHA1AABZKQAAEAAAACYAAAAIAAAAAAAAAAAAAAA="/>
+                <pr:smNativeData xmlns:pr="smNativeData" val="SMDATA_13_IrKAXRMAAAAlAAAAZAAAAA8BAAAAkAAAAEgAAACQAAAASAAAAAAAAAABAAAAAAAAAAEAAABQAAAAAAAAAAAA4D8AAAAAAADgPwAAAAAAAOA/AAAAAAAA4D8AAAAAAADgPwAAAAAAAOA/AAAAAAAA4D8AAAAAAADgPwAAAAAAAOA/AAAAAAAA4D8CAAAAjAAAAAAAAAAAAAAAu+DjDP///wgAAAAAAAAAAAAAAAAAAAAAAAAAAAAAAAAAAAAAZAAAAAEAAABAAAAAAAAAAAAAAAAAAAAAAAAAAAAAAAAAAAAAAAAAAAAAAAAAAAAAAAAAAAAAAAAAAAAAAAAAAAAAAAAAAAAAAAAAAAAAAAAAAAAAAAAAAAAAAAAAAAAAFAAAADwAAAAAAAAAAAAAAAAAAAkUAAAAAQAAABQAAAAUAAAAFAAAAAEAAAAAAAAAZAAAAGQAAAAAAAAAZAAAAGQAAAAVAAAAYAAAAAAAAAAAAAAADwAAACADAAAAAAAAAAAAAAEAAACgMgAAVgcAAKr4//8BAAAAf39/AAEAAABkAAAAAAAAABQAAABAHwAAAAAAACYAAAAAAAAAwOD//wAAAAAmAAAAZAAAABYAAABMAAAAAAAAAAAAAAAEAAAAAAAAAAEAAACAgIAKAAAAACgAAAAoAAAAZAAAAGQAAAAAAAAAzMzMAAAAAABQAAAAUAAAAGQAAABkAAAAAAAAABcAAAAUAAAAAAAAAAAAAAD/fwAA/38AAAAAAAAJAAAABAAAAAAAAAAMAAAAEAAAAAAAAAAAAAAAAAAAAAAAAAAeAAAAaAAAAAAAAAAAAAAAAAAAAAAAAAAAAAAAECcAABAnAAAAAAAAAAAAAAAAAAAAAAAAAAAAAAAAAAAAAAAAAAAAABQAAAAAAAAAwMD/AAAAAABkAAAAMgAAAAAAAABkAAAAAAAAAH9/fwAKAAAAHwAAAFQAAAAAAAAFAAAAAQAAAAAAAAAAAAAAAAAAAAAAAAAAAAAAAAAAAAAAAAAAAAAAAn9/fwAAAAADzMzMAMDA/wB/f38AAAAAAAAAAAAAAAAAAAAAAAAAAAAhAAAAGAAAABQAAABQKAAAGycAAHA1AABZKQAAEAAAACYAAAAIAAAAAAAAAAAAAAA="/>
               </a:ext>
             </a:extLst>
           </p:cNvSpPr>
@@ -2224,7 +2224,7 @@
           <a:lstStyle/>
           <a:p>
             <a:pPr/>
-            <a:fld id="{75E3FE80-CE98-B608-D65B-385DB015206D}" type="slidenum">
+            <a:fld id="{1D03D935-7BF0-562F-BEBB-8D7A97F548D8}" type="slidenum">
               <a:t/>
             </a:fld>
           </a:p>
@@ -2262,7 +2262,7 @@
             <a:spLocks noGrp="1" noChangeArrowheads="1"/>
             <a:extLst>
               <a:ext uri="smNativeData">
-                <pr:smNativeData xmlns:pr="smNativeData" val="SMDATA_13_BbpsXRMAAAAlAAAAZAAAAA8BAAAAkAAAAEgAAACQAAAASAAAAAAAAAACAAAAAAAAAAEAAABQAAAAAAAAAAAA4D8AAAAAAADgPwAAAAAAAOA/AAAAAAAA4D8AAAAAAADgPwAAAAAAAOA/AAAAAAAA4D8AAAAAAADgPwAAAAAAAOA/AAAAAAAA4D8CAAAAjAAAAAAAAAAAAAAAu+DjDP///wgAAAAAAAAAAAAAAAAAAAAAAAAAAAAAAAAAAAAAZAAAAAEAAABAAAAAAAAAAAAAAAAAAAAAAAAAAAAAAAAAAAAAAAAAAAAAAAAAAAAAAAAAAAAAAAAAAAAAAAAAAAAAAAAAAAAAAAAAAAAAAAAAAAAAAAAAAAAAAAAAAAAAFAAAADwAAAAAAAAAAAAAAAAAAAkUAAAAAQAAABQAAAAUAAAAFAAAAAEAAAAAAAAAZAAAAGQAAAAAAAAAZAAAAGQAAAAVAAAAYAAAAAAAAAAAAAAADwAAACADAAAAAAAAAAAAAAEAAACgMgAAVgcAAKr4//8BAAAAf39/AAEAAABkAAAAAAAAABQAAABAHwAAAAAAACYAAAAAAAAAwOD//wAAAAAmAAAAZAAAABYAAABMAAAAAAAAAAAAAAAEAAAAAAAAAAEAAACAgIAKAAAAACgAAAAoAAAAZAAAAGQAAAAAAAAAzMzMAAAAAABQAAAAUAAAAGQAAABkAAAAAAAAABcAAAAUAAAAAAAAAAAAAAD/fwAA/38AAAAAAAAJAAAABAAAAIA3AAAMAAAAEAAAAAAAAAAAAAAAAAAAAAAAAAAeAAAAaAAAAAAAAAAAAAAAAAAAAAAAAAAAAAAAECcAABAnAAAAAAAAAAAAAAAAAAAAAAAAAAAAAAAAAAAAAAAAAAAAABQAAAAAAAAAwMD/AAAAAABkAAAAMgAAAAAAAABkAAAAAAAAAH9/fwAKAAAAHwAAAFQAAAAAAAAFAAAAAQAAAAAAAAAAAAAAAAAAAAAAAAAAAAAAAAAAAAAAAAAAAAAAAn9/fwAAAAADzMzMAMDA/wB/f38AAAAAAAAAAAAAAAAAAAAAAAAAAAAhAAAAGAAAABQAAADQAgAArgEAAFIVAADUCAAAEAAAACYAAAAIAAAAgYAAAAAAAAA="/>
+                <pr:smNativeData xmlns:pr="smNativeData" val="SMDATA_13_IrKAXRMAAAAlAAAAZAAAAA8BAAAAkAAAAEgAAACQAAAASAAAAAAAAAACAAAAAAAAAAEAAABQAAAAAAAAAAAA4D8AAAAAAADgPwAAAAAAAOA/AAAAAAAA4D8AAAAAAADgPwAAAAAAAOA/AAAAAAAA4D8AAAAAAADgPwAAAAAAAOA/AAAAAAAA4D8CAAAAjAAAAAAAAAAAAAAAu+DjDP///wgAAAAAAAAAAAAAAAAAAAAAAAAAAAAAAAAAAAAAZAAAAAEAAABAAAAAAAAAAAAAAAAAAAAAAAAAAAAAAAAAAAAAAAAAAAAAAAAAAAAAAAAAAAAAAAAAAAAAAAAAAAAAAAAAAAAAAAAAAAAAAAAAAAAAAAAAAAAAAAAAAAAAFAAAADwAAAAAAAAAAAAAAAAAAAkUAAAAAQAAABQAAAAUAAAAFAAAAAEAAAAAAAAAZAAAAGQAAAAAAAAAZAAAAGQAAAAVAAAAYAAAAAAAAAAAAAAADwAAACADAAAAAAAAAAAAAAEAAACgMgAAVgcAAKr4//8BAAAAf39/AAEAAABkAAAAAAAAABQAAABAHwAAAAAAACYAAAAAAAAAwOD//wAAAAAmAAAAZAAAABYAAABMAAAAAAAAAAAAAAAEAAAAAAAAAAEAAACAgIAKAAAAACgAAAAoAAAAZAAAAGQAAAAAAAAAzMzMAAAAAABQAAAAUAAAAGQAAABkAAAAAAAAABcAAAAUAAAAAAAAAAAAAAD/fwAA/38AAAAAAAAJAAAABAAAAIA3AAAMAAAAEAAAAAAAAAAAAAAAAAAAAAAAAAAeAAAAaAAAAAAAAAAAAAAAAAAAAAAAAAAAAAAAECcAABAnAAAAAAAAAAAAAAAAAAAAAAAAAAAAAAAAAAAAAAAAAAAAABQAAAAAAAAAwMD/AAAAAABkAAAAMgAAAAAAAABkAAAAAAAAAH9/fwAKAAAAHwAAAFQAAAAAAAAFAAAAAQAAAAAAAAAAAAAAAAAAAAAAAAAAAAAAAAAAAAAAAAAAAAAAAn9/fwAAAAADzMzMAMDA/wB/f38AAAAAAAAAAAAAAAAAAAAAAAAAAAAhAAAAGAAAABQAAADQAgAArgEAAFIVAADUCAAAEAAAACYAAAAIAAAAgYAAAAAAAAA="/>
               </a:ext>
             </a:extLst>
           </p:cNvSpPr>
@@ -2302,7 +2302,7 @@
             <a:spLocks noGrp="1" noChangeArrowheads="1"/>
             <a:extLst>
               <a:ext uri="smNativeData">
-                <pr:smNativeData xmlns:pr="smNativeData" val="SMDATA_13_BbpsXRMAAAAlAAAAZAAAAA8BAAAAkAAAAEgAAACQAAAASAAAAAAAAAAAAAAAAAAAAAEAAABQAAAAAAAAAAAA4D8AAAAAAADgPwAAAAAAAOA/AAAAAAAA4D8AAAAAAADgPwAAAAAAAOA/AAAAAAAA4D8AAAAAAADgPwAAAAAAAOA/AAAAAAAA4D8CAAAAjAAAAAAAAAAAAAAAu+DjDP///wgAAAAAAAAAAAAAAAAAAAAAAAAAAAAAAAAAAAAAZAAAAAEAAABAAAAAAAAAAAAAAAAAAAAAAAAAAAAAAAAAAAAAAAAAAAAAAAAAAAAAAAAAAAAAAAAAAAAAAAAAAAAAAAAAAAAAAAAAAAAAAAAAAAAAAAAAAAAAAAAAAAAAFAAAADwAAAAAAAAAAAAAAAAAAAkUAAAAAQAAABQAAAAUAAAAFAAAAAEAAAAAAAAAZAAAAGQAAAAAAAAAZAAAAGQAAAAVAAAAYAAAAAAAAAAAAAAADwAAACADAAAAAAAAAAAAAAEAAACgMgAAVgcAAKr4//8BAAAAf39/AAEAAABkAAAAAAAAABQAAABAHwAAAAAAACYAAAAAAAAAwOD//wAAAAAmAAAAZAAAABYAAABMAAAAAAAAAAAAAAAEAAAAAAAAAAEAAACAgIAKAAAAACgAAAAoAAAAZAAAAGQAAAAAAAAAzMzMAAAAAABQAAAAUAAAAGQAAABkAAAAAAAAABcAAAAUAAAAAAAAAAAAAAD/fwAA/38AAAAAAAAJAAAABAAAADmR4/8MAAAAEAAAAAAAAAAAAAAAAAAAAAAAAAAeAAAAaAAAAAAAAAAAAAAAAAAAAAAAAAAAAAAAECcAABAnAAAAAAAAAAAAAAAAAAAAAAAAAAAAAAAAAAAAAAAAAAAAABQAAAAAAAAAwMD/AAAAAABkAAAAMgAAAAAAAABkAAAAAAAAAH9/fwAKAAAAHwAAAFQAAAAAAAAFAAAAAQAAAAAAAAAAAAAAAAAAAAAAAAAAAAAAAAAAAAAAAAAAAAAAAn9/fwAAAAADzMzMAMDA/wB/f38AAAAAAAAAAAAAAAAAAAAAAAAAAAAhAAAAGAAAABQAAAD+FQAArgEAAHA1AACwJQAAEAAAACYAAAAIAAAAAYAAAAAAAAA="/>
+                <pr:smNativeData xmlns:pr="smNativeData" val="SMDATA_13_IrKAXRMAAAAlAAAAZAAAAA8BAAAAkAAAAEgAAACQAAAASAAAAAAAAAAAAAAAAAAAAAEAAABQAAAAAAAAAAAA4D8AAAAAAADgPwAAAAAAAOA/AAAAAAAA4D8AAAAAAADgPwAAAAAAAOA/AAAAAAAA4D8AAAAAAADgPwAAAAAAAOA/AAAAAAAA4D8CAAAAjAAAAAAAAAAAAAAAu+DjDP///wgAAAAAAAAAAAAAAAAAAAAAAAAAAAAAAAAAAAAAZAAAAAEAAABAAAAAAAAAAAAAAAAAAAAAAAAAAAAAAAAAAAAAAAAAAAAAAAAAAAAAAAAAAAAAAAAAAAAAAAAAAAAAAAAAAAAAAAAAAAAAAAAAAAAAAAAAAAAAAAAAAAAAFAAAADwAAAAAAAAAAAAAAAAAAAkUAAAAAQAAABQAAAAUAAAAFAAAAAEAAAAAAAAAZAAAAGQAAAAAAAAAZAAAAGQAAAAVAAAAYAAAAAAAAAAAAAAADwAAACADAAAAAAAAAAAAAAEAAACgMgAAVgcAAKr4//8BAAAAf39/AAEAAABkAAAAAAAAABQAAABAHwAAAAAAACYAAAAAAAAAwOD//wAAAAAmAAAAZAAAABYAAABMAAAAAAAAAAAAAAAEAAAAAAAAAAEAAACAgIAKAAAAACgAAAAoAAAAZAAAAGQAAAAAAAAAzMzMAAAAAABQAAAAUAAAAGQAAABkAAAAAAAAABcAAAAUAAAAAAAAAAAAAAD/fwAA/38AAAAAAAAJAAAABAAAADmR4/8MAAAAEAAAAAAAAAAAAAAAAAAAAAAAAAAeAAAAaAAAAAAAAAAAAAAAAAAAAAAAAAAAAAAAECcAABAnAAAAAAAAAAAAAAAAAAAAAAAAAAAAAAAAAAAAAAAAAAAAABQAAAAAAAAAwMD/AAAAAABkAAAAMgAAAAAAAABkAAAAAAAAAH9/fwAKAAAAHwAAAFQAAAAAAAAFAAAAAQAAAAAAAAAAAAAAAAAAAAAAAAAAAAAAAAAAAAAAAAAAAAAAAn9/fwAAAAADzMzMAMDA/wB/f38AAAAAAAAAAAAAAAAAAAAAAAAAAAAhAAAAGAAAABQAAAD+FQAArgEAAHA1AACwJQAAEAAAACYAAAAIAAAAAYAAAAAAAAA="/>
               </a:ext>
             </a:extLst>
           </p:cNvSpPr>
@@ -2386,7 +2386,7 @@
             <a:spLocks noGrp="1" noChangeArrowheads="1"/>
             <a:extLst>
               <a:ext uri="smNativeData">
-                <pr:smNativeData xmlns:pr="smNativeData" val="SMDATA_13_BbpsXRMAAAAlAAAAZAAAAA8BAAAAkAAAAEgAAACQAAAASAAAAAAAAAAAAAAAAAAAAAEAAABQAAAAAAAAAAAA4D8AAAAAAADgPwAAAAAAAOA/AAAAAAAA4D8AAAAAAADgPwAAAAAAAOA/AAAAAAAA4D8AAAAAAADgPwAAAAAAAOA/AAAAAAAA4D8CAAAAjAAAAAAAAAAAAAAAu+DjDP///wgAAAAAAAAAAAAAAAAAAAAAAAAAAAAAAAAAAAAAZAAAAAEAAABAAAAAAAAAAAAAAAAAAAAAAAAAAAAAAAAAAAAAAAAAAAAAAAAAAAAAAAAAAAAAAAAAAAAAAAAAAAAAAAAAAAAAAAAAAAAAAAAAAAAAAAAAAAAAAAAAAAAAFAAAADwAAAAAAAAAAAAAAAAAAAkUAAAAAQAAABQAAAAUAAAAFAAAAAEAAAAAAAAAZAAAAGQAAAAAAAAAZAAAAGQAAAAVAAAAYAAAAAAAAAAAAAAADwAAACADAAAAAAAAAAAAAAEAAACgMgAAVgcAAKr4//8BAAAAf39/AAEAAABkAAAAAAAAABQAAABAHwAAAAAAACYAAAAAAAAAwOD//wAAAAAmAAAAZAAAABYAAABMAAAAAAAAAAAAAAAEAAAAAAAAAAEAAACAgIAKAAAAACgAAAAoAAAAZAAAAGQAAAAAAAAAzMzMAAAAAABQAAAAUAAAAGQAAABkAAAAAAAAABcAAAAUAAAAAAAAAAAAAAD/fwAA/38AAAAAAAAJAAAABAAAAAAAAAgMAAAAEAAAAAAAAAAAAAAAAAAAAAAAAAAeAAAAaAAAAAAAAAAAAAAAAAAAAAAAAAAAAAAAECcAABAnAAAAAAAAAAAAAAAAAAAAAAAAAAAAAAAAAAAAAAAAAAAAABQAAAAAAAAAwMD/AAAAAABkAAAAMgAAAAAAAABkAAAAAAAAAH9/fwAKAAAAHwAAAFQAAAAAAAAFAAAAAQAAAAAAAAAAAAAAAAAAAAAAAAAAAAAAAAAAAAAAAAAAAAAAAn9/fwAAAAADzMzMAMDA/wB/f38AAAAAAAAAAAAAAAAAAAAAAAAAAAAhAAAAGAAAABQAAADQAgAA1AgAAFIVAACwJQAAEAAAACYAAAAIAAAAAYAAAAAAAAA="/>
+                <pr:smNativeData xmlns:pr="smNativeData" val="SMDATA_13_IrKAXRMAAAAlAAAAZAAAAA8BAAAAkAAAAEgAAACQAAAASAAAAAAAAAAAAAAAAAAAAAEAAABQAAAAAAAAAAAA4D8AAAAAAADgPwAAAAAAAOA/AAAAAAAA4D8AAAAAAADgPwAAAAAAAOA/AAAAAAAA4D8AAAAAAADgPwAAAAAAAOA/AAAAAAAA4D8CAAAAjAAAAAAAAAAAAAAAu+DjDP///wgAAAAAAAAAAAAAAAAAAAAAAAAAAAAAAAAAAAAAZAAAAAEAAABAAAAAAAAAAAAAAAAAAAAAAAAAAAAAAAAAAAAAAAAAAAAAAAAAAAAAAAAAAAAAAAAAAAAAAAAAAAAAAAAAAAAAAAAAAAAAAAAAAAAAAAAAAAAAAAAAAAAAFAAAADwAAAAAAAAAAAAAAAAAAAkUAAAAAQAAABQAAAAUAAAAFAAAAAEAAAAAAAAAZAAAAGQAAAAAAAAAZAAAAGQAAAAVAAAAYAAAAAAAAAAAAAAADwAAACADAAAAAAAAAAAAAAEAAACgMgAAVgcAAKr4//8BAAAAf39/AAEAAABkAAAAAAAAABQAAABAHwAAAAAAACYAAAAAAAAAwOD//wAAAAAmAAAAZAAAABYAAABMAAAAAAAAAAAAAAAEAAAAAAAAAAEAAACAgIAKAAAAACgAAAAoAAAAZAAAAGQAAAAAAAAAzMzMAAAAAABQAAAAUAAAAGQAAABkAAAAAAAAABcAAAAUAAAAAAAAAAAAAAD/fwAA/38AAAAAAAAJAAAABAAAAAAAAAgMAAAAEAAAAAAAAAAAAAAAAAAAAAAAAAAeAAAAaAAAAAAAAAAAAAAAAAAAAAAAAAAAAAAAECcAABAnAAAAAAAAAAAAAAAAAAAAAAAAAAAAAAAAAAAAAAAAAAAAABQAAAAAAAAAwMD/AAAAAABkAAAAMgAAAAAAAABkAAAAAAAAAH9/fwAKAAAAHwAAAFQAAAAAAAAFAAAAAQAAAAAAAAAAAAAAAAAAAAAAAAAAAAAAAAAAAAAAAAAAAAAAAn9/fwAAAAADzMzMAMDA/wB/f38AAAAAAAAAAAAAAAAAAAAAAAAAAAAhAAAAGAAAABQAAADQAgAA1AgAAFIVAACwJQAAEAAAACYAAAAIAAAAAYAAAAAAAAA="/>
               </a:ext>
             </a:extLst>
           </p:cNvSpPr>
@@ -2455,7 +2455,7 @@
             <a:spLocks noGrp="1" noChangeArrowheads="1"/>
             <a:extLst>
               <a:ext uri="smNativeData">
-                <pr:smNativeData xmlns:pr="smNativeData" val="SMDATA_13_BbpsXRMAAAAlAAAAZAAAAA8BAAAAkAAAAEgAAACQAAAASAAAAAAAAAABAAAAAAAAAAEAAABQAAAAAAAAAAAA4D8AAAAAAADgPwAAAAAAAOA/AAAAAAAA4D8AAAAAAADgPwAAAAAAAOA/AAAAAAAA4D8AAAAAAADgPwAAAAAAAOA/AAAAAAAA4D8CAAAAjAAAAAAAAAAAAAAAu+DjDP///wgAAAAAAAAAAAAAAAAAAAAAAAAAAAAAAAAAAAAAZAAAAAEAAABAAAAAAAAAAAAAAAAAAAAAAAAAAAAAAAAAAAAAAAAAAAAAAAAAAAAAAAAAAAAAAAAAAAAAAAAAAAAAAAAAAAAAAAAAAAAAAAAAAAAAAAAAAAAAAAAAAAAAFAAAADwAAAAAAAAAAAAAAAAAAAkUAAAAAQAAABQAAAAUAAAAFAAAAAEAAAAAAAAAZAAAAGQAAAAAAAAAZAAAAGQAAAAVAAAAYAAAAAAAAAAAAAAADwAAACADAAAAAAAAAAAAAAEAAACgMgAAVgcAAKr4//8BAAAAf39/AAEAAABkAAAAAAAAABQAAABAHwAAAAAAACYAAAAAAAAAwOD//wAAAAAmAAAAZAAAABYAAABMAAAAAAAAAAAAAAAEAAAAAAAAAAEAAACAgIAKAAAAACgAAAAoAAAAZAAAAGQAAAAAAAAAzMzMAAAAAABQAAAAUAAAAGQAAABkAAAAAAAAABcAAAAUAAAAAAAAAAAAAAD/fwAA/38AAAAAAAAJAAAABAAAAAAAAAAMAAAAEAAAAAAAAAAAAAAAAAAAAAAAAAAeAAAAaAAAAAAAAAAAAAAAAAAAAAAAAAAAAAAAECcAABAnAAAAAAAAAAAAAAAAAAAAAAAAAAAAAAAAAAAAAAAAAAAAABQAAAAAAAAAwMD/AAAAAABkAAAAMgAAAAAAAABkAAAAAAAAAH9/fwAKAAAAHwAAAFQAAAAAAAAFAAAAAQAAAAAAAAAAAAAAAAAAAAAAAAAAAAAAAAAAAAAAAAAAAAAAAn9/fwAAAAADzMzMAMDA/wB/f38AAAAAAAAAAAAAAAAAAAAAAAAAAAAhAAAAGAAAABQAAADQAgAAGycAAPAPAABZKQAAEAAAACYAAAAIAAAAAAAAAAAAAAA="/>
+                <pr:smNativeData xmlns:pr="smNativeData" val="SMDATA_13_IrKAXRMAAAAlAAAAZAAAAA8BAAAAkAAAAEgAAACQAAAASAAAAAAAAAABAAAAAAAAAAEAAABQAAAAAAAAAAAA4D8AAAAAAADgPwAAAAAAAOA/AAAAAAAA4D8AAAAAAADgPwAAAAAAAOA/AAAAAAAA4D8AAAAAAADgPwAAAAAAAOA/AAAAAAAA4D8CAAAAjAAAAAAAAAAAAAAAu+DjDP///wgAAAAAAAAAAAAAAAAAAAAAAAAAAAAAAAAAAAAAZAAAAAEAAABAAAAAAAAAAAAAAAAAAAAAAAAAAAAAAAAAAAAAAAAAAAAAAAAAAAAAAAAAAAAAAAAAAAAAAAAAAAAAAAAAAAAAAAAAAAAAAAAAAAAAAAAAAAAAAAAAAAAAFAAAADwAAAAAAAAAAAAAAAAAAAkUAAAAAQAAABQAAAAUAAAAFAAAAAEAAAAAAAAAZAAAAGQAAAAAAAAAZAAAAGQAAAAVAAAAYAAAAAAAAAAAAAAADwAAACADAAAAAAAAAAAAAAEAAACgMgAAVgcAAKr4//8BAAAAf39/AAEAAABkAAAAAAAAABQAAABAHwAAAAAAACYAAAAAAAAAwOD//wAAAAAmAAAAZAAAABYAAABMAAAAAAAAAAAAAAAEAAAAAAAAAAEAAACAgIAKAAAAACgAAAAoAAAAZAAAAGQAAAAAAAAAzMzMAAAAAABQAAAAUAAAAGQAAABkAAAAAAAAABcAAAAUAAAAAAAAAAAAAAD/fwAA/38AAAAAAAAJAAAABAAAAAAAAAAMAAAAEAAAAAAAAAAAAAAAAAAAAAAAAAAeAAAAaAAAAAAAAAAAAAAAAAAAAAAAAAAAAAAAECcAABAnAAAAAAAAAAAAAAAAAAAAAAAAAAAAAAAAAAAAAAAAAAAAABQAAAAAAAAAwMD/AAAAAABkAAAAMgAAAAAAAABkAAAAAAAAAH9/fwAKAAAAHwAAAFQAAAAAAAAFAAAAAQAAAAAAAAAAAAAAAAAAAAAAAAAAAAAAAAAAAAAAAAAAAAAAAn9/fwAAAAADzMzMAMDA/wB/f38AAAAAAAAAAAAAAAAAAAAAAAAAAAAhAAAAGAAAABQAAADQAgAAGycAAPAPAABZKQAAEAAAACYAAAAIAAAAAAAAAAAAAAA="/>
               </a:ext>
             </a:extLst>
           </p:cNvSpPr>
@@ -2469,7 +2469,7 @@
           <a:lstStyle/>
           <a:p>
             <a:pPr/>
-            <a:fld id="{2CA7151E-50C1-F2E3-8F1F-A6B65B5179F3}" type="datetime1">
+            <a:fld id="{32D0B578-36DF-8543-9168-C016FB266795}" type="datetime1">
               <a:t/>
             </a:fld>
           </a:p>
@@ -2482,7 +2482,7 @@
             <a:spLocks noGrp="1" noChangeArrowheads="1"/>
             <a:extLst>
               <a:ext uri="smNativeData">
-                <pr:smNativeData xmlns:pr="smNativeData" val="SMDATA_13_BbpsXRMAAAAlAAAAZAAAAA8BAAAAkAAAAEgAAACQAAAASAAAAAAAAAABAAAAAAAAAAEAAABQAAAAAAAAAAAA4D8AAAAAAADgPwAAAAAAAOA/AAAAAAAA4D8AAAAAAADgPwAAAAAAAOA/AAAAAAAA4D8AAAAAAADgPwAAAAAAAOA/AAAAAAAA4D8CAAAAjAAAAAAAAAAAAAAAu+DjDP///wgAAAAAAAAAAAAAAAAAAAAAAAAAAAAAAAAAAAAAZAAAAAEAAABAAAAAAAAAAAAAAAAAAAAAAAAAAAAAAAAAAAAAAAAAAAAAAAAAAAAAAAAAAAAAAAAAAAAAAAAAAAAAAAAAAAAAAAAAAAAAAAAAAAAAAAAAAAAAAAAAAAAAFAAAADwAAAAAAAAAAAAAAAAAAAkUAAAAAQAAABQAAAAUAAAAFAAAAAEAAAAAAAAAZAAAAGQAAAAAAAAAZAAAAGQAAAAVAAAAYAAAAAAAAAAAAAAADwAAACADAAAAAAAAAAAAAAEAAACgMgAAVgcAAKr4//8BAAAAf39/AAEAAABkAAAAAAAAABQAAABAHwAAAAAAACYAAAAAAAAAwOD//wAAAAAmAAAAZAAAABYAAABMAAAAAAAAAAAAAAAEAAAAAAAAAAEAAACAgIAKAAAAACgAAAAoAAAAZAAAAGQAAAAAAAAAzMzMAAAAAABQAAAAUAAAAGQAAABkAAAAAAAAABcAAAAUAAAAAAAAAAAAAAD/fwAA/38AAAAAAAAJAAAABAAAAPWEAAAMAAAAEAAAAAAAAAAAAAAAAAAAAAAAAAAeAAAAaAAAAAAAAAAAAAAAAAAAAAAAAAAAAAAAECcAABAnAAAAAAAAAAAAAAAAAAAAAAAAAAAAAAAAAAAAAAAAAAAAABQAAAAAAAAAwMD/AAAAAABkAAAAMgAAAAAAAABkAAAAAAAAAH9/fwAKAAAAHwAAAFQAAAAAAAAFAAAAAQAAAAAAAAAAAAAAAAAAAAAAAAAAAAAAAAAAAAAAAAAAAAAAAn9/fwAAAAADzMzMAMDA/wB/f38AAAAAAAAAAAAAAAAAAAAAAAAAAAAhAAAAGAAAABQAAAA4EwAAGycAAAglAABZKQAAEAAAACYAAAAIAAAAAAAAAAAAAAA="/>
+                <pr:smNativeData xmlns:pr="smNativeData" val="SMDATA_13_IrKAXRMAAAAlAAAAZAAAAA8BAAAAkAAAAEgAAACQAAAASAAAAAAAAAABAAAAAAAAAAEAAABQAAAAAAAAAAAA4D8AAAAAAADgPwAAAAAAAOA/AAAAAAAA4D8AAAAAAADgPwAAAAAAAOA/AAAAAAAA4D8AAAAAAADgPwAAAAAAAOA/AAAAAAAA4D8CAAAAjAAAAAAAAAAAAAAAu+DjDP///wgAAAAAAAAAAAAAAAAAAAAAAAAAAAAAAAAAAAAAZAAAAAEAAABAAAAAAAAAAAAAAAAAAAAAAAAAAAAAAAAAAAAAAAAAAAAAAAAAAAAAAAAAAAAAAAAAAAAAAAAAAAAAAAAAAAAAAAAAAAAAAAAAAAAAAAAAAAAAAAAAAAAAFAAAADwAAAAAAAAAAAAAAAAAAAkUAAAAAQAAABQAAAAUAAAAFAAAAAEAAAAAAAAAZAAAAGQAAAAAAAAAZAAAAGQAAAAVAAAAYAAAAAAAAAAAAAAADwAAACADAAAAAAAAAAAAAAEAAACgMgAAVgcAAKr4//8BAAAAf39/AAEAAABkAAAAAAAAABQAAABAHwAAAAAAACYAAAAAAAAAwOD//wAAAAAmAAAAZAAAABYAAABMAAAAAAAAAAAAAAAEAAAAAAAAAAEAAACAgIAKAAAAACgAAAAoAAAAZAAAAGQAAAAAAAAAzMzMAAAAAABQAAAAUAAAAGQAAABkAAAAAAAAABcAAAAUAAAAAAAAAAAAAAD/fwAA/38AAAAAAAAJAAAABAAAAPWEAAAMAAAAEAAAAAAAAAAAAAAAAAAAAAAAAAAeAAAAaAAAAAAAAAAAAAAAAAAAAAAAAAAAAAAAECcAABAnAAAAAAAAAAAAAAAAAAAAAAAAAAAAAAAAAAAAAAAAAAAAABQAAAAAAAAAwMD/AAAAAABkAAAAMgAAAAAAAABkAAAAAAAAAH9/fwAKAAAAHwAAAFQAAAAAAAAFAAAAAQAAAAAAAAAAAAAAAAAAAAAAAAAAAAAAAAAAAAAAAAAAAAAAAn9/fwAAAAADzMzMAMDA/wB/f38AAAAAAAAAAAAAAAAAAAAAAAAAAAAhAAAAGAAAABQAAAA4EwAAGycAAAglAABZKQAAEAAAACYAAAAIAAAAAAAAAAAAAAA="/>
               </a:ext>
             </a:extLst>
           </p:cNvSpPr>
@@ -2506,7 +2506,7 @@
             <a:spLocks noGrp="1" noChangeArrowheads="1"/>
             <a:extLst>
               <a:ext uri="smNativeData">
-                <pr:smNativeData xmlns:pr="smNativeData" val="SMDATA_13_BbpsXRMAAAAlAAAAZAAAAA8BAAAAkAAAAEgAAACQAAAASAAAAAAAAAABAAAAAAAAAAEAAABQAAAAAAAAAAAA4D8AAAAAAADgPwAAAAAAAOA/AAAAAAAA4D8AAAAAAADgPwAAAAAAAOA/AAAAAAAA4D8AAAAAAADgPwAAAAAAAOA/AAAAAAAA4D8CAAAAjAAAAAAAAAAAAAAAu+DjDP///wgAAAAAAAAAAAAAAAAAAAAAAAAAAAAAAAAAAAAAZAAAAAEAAABAAAAAAAAAAAAAAAAAAAAAAAAAAAAAAAAAAAAAAAAAAAAAAAAAAAAAAAAAAAAAAAAAAAAAAAAAAAAAAAAAAAAAAAAAAAAAAAAAAAAAAAAAAAAAAAAAAAAAFAAAADwAAAAAAAAAAAAAAAAAAAkUAAAAAQAAABQAAAAUAAAAFAAAAAEAAAAAAAAAZAAAAGQAAAAAAAAAZAAAAGQAAAAVAAAAYAAAAAAAAAAAAAAADwAAACADAAAAAAAAAAAAAAEAAACgMgAAVgcAAKr4//8BAAAAf39/AAEAAABkAAAAAAAAABQAAABAHwAAAAAAACYAAAAAAAAAwOD//wAAAAAmAAAAZAAAABYAAABMAAAAAAAAAAAAAAAEAAAAAAAAAAEAAACAgIAKAAAAACgAAAAoAAAAZAAAAGQAAAAAAAAAzMzMAAAAAABQAAAAUAAAAGQAAABkAAAAAAAAABcAAAAUAAAAAAAAAAAAAAD/fwAA/38AAAAAAAAJAAAABAAAAAAAAg8MAAAAEAAAAAAAAAAAAAAAAAAAAAAAAAAeAAAAaAAAAAAAAAAAAAAAAAAAAAAAAAAAAAAAECcAABAnAAAAAAAAAAAAAAAAAAAAAAAAAAAAAAAAAAAAAAAAAAAAABQAAAAAAAAAwMD/AAAAAABkAAAAMgAAAAAAAABkAAAAAAAAAH9/fwAKAAAAHwAAAFQAAAAAAAAFAAAAAQAAAAAAAAAAAAAAAAAAAAAAAAAAAAAAAAAAAAAAAAAAAAAAAn9/fwAAAAADzMzMAMDA/wB/f38AAAAAAAAAAAAAAAAAAAAAAAAAAAAhAAAAGAAAABQAAABQKAAAGycAAHA1AABZKQAAEAAAACYAAAAIAAAAAAAAAAAAAAA="/>
+                <pr:smNativeData xmlns:pr="smNativeData" val="SMDATA_13_IrKAXRMAAAAlAAAAZAAAAA8BAAAAkAAAAEgAAACQAAAASAAAAAAAAAABAAAAAAAAAAEAAABQAAAAAAAAAAAA4D8AAAAAAADgPwAAAAAAAOA/AAAAAAAA4D8AAAAAAADgPwAAAAAAAOA/AAAAAAAA4D8AAAAAAADgPwAAAAAAAOA/AAAAAAAA4D8CAAAAjAAAAAAAAAAAAAAAu+DjDP///wgAAAAAAAAAAAAAAAAAAAAAAAAAAAAAAAAAAAAAZAAAAAEAAABAAAAAAAAAAAAAAAAAAAAAAAAAAAAAAAAAAAAAAAAAAAAAAAAAAAAAAAAAAAAAAAAAAAAAAAAAAAAAAAAAAAAAAAAAAAAAAAAAAAAAAAAAAAAAAAAAAAAAFAAAADwAAAAAAAAAAAAAAAAAAAkUAAAAAQAAABQAAAAUAAAAFAAAAAEAAAAAAAAAZAAAAGQAAAAAAAAAZAAAAGQAAAAVAAAAYAAAAAAAAAAAAAAADwAAACADAAAAAAAAAAAAAAEAAACgMgAAVgcAAKr4//8BAAAAf39/AAEAAABkAAAAAAAAABQAAABAHwAAAAAAACYAAAAAAAAAwOD//wAAAAAmAAAAZAAAABYAAABMAAAAAAAAAAAAAAAEAAAAAAAAAAEAAACAgIAKAAAAACgAAAAoAAAAZAAAAGQAAAAAAAAAzMzMAAAAAABQAAAAUAAAAGQAAABkAAAAAAAAABcAAAAUAAAAAAAAAAAAAAD/fwAA/38AAAAAAAAJAAAABAAAAAAAAg8MAAAAEAAAAAAAAAAAAAAAAAAAAAAAAAAeAAAAaAAAAAAAAAAAAAAAAAAAAAAAAAAAAAAAECcAABAnAAAAAAAAAAAAAAAAAAAAAAAAAAAAAAAAAAAAAAAAAAAAABQAAAAAAAAAwMD/AAAAAABkAAAAMgAAAAAAAABkAAAAAAAAAH9/fwAKAAAAHwAAAFQAAAAAAAAFAAAAAQAAAAAAAAAAAAAAAAAAAAAAAAAAAAAAAAAAAAAAAAAAAAAAAn9/fwAAAAADzMzMAMDA/wB/f38AAAAAAAAAAAAAAAAAAAAAAAAAAAAhAAAAGAAAABQAAABQKAAAGycAAHA1AABZKQAAEAAAACYAAAAIAAAAAAAAAAAAAAA="/>
               </a:ext>
             </a:extLst>
           </p:cNvSpPr>
@@ -2520,7 +2520,7 @@
           <a:lstStyle/>
           <a:p>
             <a:pPr/>
-            <a:fld id="{16F19B3B-75FB-A46D-B549-8338D50743D6}" type="slidenum">
+            <a:fld id="{62368986-C88F-637F-C18E-3E2AC7C0376B}" type="slidenum">
               <a:t/>
             </a:fld>
           </a:p>
@@ -2558,7 +2558,7 @@
             <a:spLocks noGrp="1" noChangeArrowheads="1"/>
             <a:extLst>
               <a:ext uri="smNativeData">
-                <pr:smNativeData xmlns:pr="smNativeData" val="SMDATA_13_BbpsXRMAAAAlAAAAZAAAAA8BAAAAkAAAAEgAAACQAAAASAAAAAAAAAACAAAAAAAAAAEAAABQAAAAAAAAAAAA4D8AAAAAAADgPwAAAAAAAOA/AAAAAAAA4D8AAAAAAADgPwAAAAAAAOA/AAAAAAAA4D8AAAAAAADgPwAAAAAAAOA/AAAAAAAA4D8CAAAAjAAAAAAAAAAAAAAAu+DjDP///wgAAAAAAAAAAAAAAAAAAAAAAAAAAAAAAAAAAAAAZAAAAAEAAABAAAAAAAAAAAAAAAAAAAAAAAAAAAAAAAAAAAAAAAAAAAAAAAAAAAAAAAAAAAAAAAAAAAAAAAAAAAAAAAAAAAAAAAAAAAAAAAAAAAAAAAAAAAAAAAAAAAAAFAAAADwAAAAAAAAAAAAAAAAAAAkUAAAAAQAAABQAAAAUAAAAFAAAAAEAAAAAAAAAZAAAAGQAAAAAAAAAZAAAAGQAAAAVAAAAYAAAAAAAAAAAAAAADwAAACADAAAAAAAAAAAAAAEAAACgMgAAVgcAAKr4//8BAAAAf39/AAEAAABkAAAAAAAAABQAAABAHwAAAAAAACYAAAAAAAAAwOD//wAAAAAmAAAAZAAAABYAAABMAAAAAAAAAAAAAAAEAAAAAAAAAAEAAACAgIAKAAAAACgAAAAoAAAAZAAAAGQAAAAAAAAAzMzMAAAAAABQAAAAUAAAAGQAAABkAAAAAAAAABcAAAAUAAAAAAAAAAAAAAD/fwAA/38AAAAAAAAJAAAABAAAAOCnav8MAAAAEAAAAAAAAAAAAAAAAAAAAAAAAAAeAAAAaAAAAAAAAAAAAAAAAAAAAAAAAAAAAAAAECcAABAnAAAAAAAAAAAAAAAAAAAAAAAAAAAAAAAAAAAAAAAAAAAAABQAAAAAAAAAwMD/AAAAAABkAAAAMgAAAAAAAABkAAAAAAAAAH9/fwAKAAAAHwAAAFQAAAAAAAAFAAAAAQAAAAAAAAAAAAAAAAAAAAAAAAAAAAAAAAAAAAAAAAAAAAAAAn9/fwAAAAADzMzMAMDA/wB/f38AAAAAAAAAAAAAAAAAAAAAAAAAAAAhAAAAGAAAABQAAAAGCwAAiB0AAMYsAAAEIQAAEAAAACYAAAAIAAAAgYAAAAAAAAA="/>
+                <pr:smNativeData xmlns:pr="smNativeData" val="SMDATA_13_IrKAXRMAAAAlAAAAZAAAAA8BAAAAkAAAAEgAAACQAAAASAAAAAAAAAACAAAAAAAAAAEAAABQAAAAAAAAAAAA4D8AAAAAAADgPwAAAAAAAOA/AAAAAAAA4D8AAAAAAADgPwAAAAAAAOA/AAAAAAAA4D8AAAAAAADgPwAAAAAAAOA/AAAAAAAA4D8CAAAAjAAAAAAAAAAAAAAAu+DjDP///wgAAAAAAAAAAAAAAAAAAAAAAAAAAAAAAAAAAAAAZAAAAAEAAABAAAAAAAAAAAAAAAAAAAAAAAAAAAAAAAAAAAAAAAAAAAAAAAAAAAAAAAAAAAAAAAAAAAAAAAAAAAAAAAAAAAAAAAAAAAAAAAAAAAAAAAAAAAAAAAAAAAAAFAAAADwAAAAAAAAAAAAAAAAAAAkUAAAAAQAAABQAAAAUAAAAFAAAAAEAAAAAAAAAZAAAAGQAAAAAAAAAZAAAAGQAAAAVAAAAYAAAAAAAAAAAAAAADwAAACADAAAAAAAAAAAAAAEAAACgMgAAVgcAAKr4//8BAAAAf39/AAEAAABkAAAAAAAAABQAAABAHwAAAAAAACYAAAAAAAAAwOD//wAAAAAmAAAAZAAAABYAAABMAAAAAAAAAAAAAAAEAAAAAAAAAAEAAACAgIAKAAAAACgAAAAoAAAAZAAAAGQAAAAAAAAAzMzMAAAAAABQAAAAUAAAAGQAAABkAAAAAAAAABcAAAAUAAAAAAAAAAAAAAD/fwAA/38AAAAAAAAJAAAABAAAAOCnav8MAAAAEAAAAAAAAAAAAAAAAAAAAAAAAAAeAAAAaAAAAAAAAAAAAAAAAAAAAAAAAAAAAAAAECcAABAnAAAAAAAAAAAAAAAAAAAAAAAAAAAAAAAAAAAAAAAAAAAAABQAAAAAAAAAwMD/AAAAAABkAAAAMgAAAAAAAABkAAAAAAAAAH9/fwAKAAAAHwAAAFQAAAAAAAAFAAAAAQAAAAAAAAAAAAAAAAAAAAAAAAAAAAAAAAAAAAAAAAAAAAAAAn9/fwAAAAADzMzMAMDA/wB/f38AAAAAAAAAAAAAAAAAAAAAAAAAAAAhAAAAGAAAABQAAAAGCwAAiB0AAMYsAAAEIQAAEAAAACYAAAAIAAAAgYAAAAAAAAA="/>
               </a:ext>
             </a:extLst>
           </p:cNvSpPr>
@@ -2598,7 +2598,7 @@
             <a:spLocks noGrp="1" noChangeArrowheads="1"/>
             <a:extLst>
               <a:ext uri="smNativeData">
-                <pr:smNativeData xmlns:pr="smNativeData" val="SMDATA_13_BbpsXRMAAAAlAAAAZAAAAA8BAAAAkAAAAEgAAACQAAAASAAAAAAAAAAAAAAAAAAAAAEAAABQAAAAAAAAAAAA4D8AAAAAAADgPwAAAAAAAOA/AAAAAAAA4D8AAAAAAADgPwAAAAAAAOA/AAAAAAAA4D8AAAAAAADgPwAAAAAAAOA/AAAAAAAA4D8CAAAAjAAAAAAAAAAAAAAAu+DjDP///wgAAAAAAAAAAAAAAAAAAAAAAAAAAAAAAAAAAAAAZAAAAAEAAABAAAAAAAAAAAAAAAAAAAAAAAAAAAAAAAAAAAAAAAAAAAAAAAAAAAAAAAAAAAAAAAAAAAAAAAAAAAAAAAAAAAAAAAAAAAAAAAAAAAAAAAAAAAAAAAAAAAAAFAAAADwAAAAAAAAAAAAAAAAAAAkUAAAAAQAAABQAAAAUAAAAFAAAAAEAAAAAAAAAZAAAAGQAAAAAAAAAZAAAAGQAAAAVAAAAYAAAAAAAAAAAAAAADwAAACADAAAAAAAAAAAAAAEAAACgMgAAVgcAAKr4//8BAAAAf39/AAEAAABkAAAAAAAAABQAAABAHwAAAAAAACYAAAAAAAAAwOD//wAAAAAmAAAAZAAAABYAAABMAAAAAAAAAAAAAAAEAAAAAAAAAAEAAACAgIAKAAAAACgAAAAoAAAAZAAAAGQAAAAAAAAAzMzMAAAAAABQAAAAUAAAAGQAAABkAAAAAAAAABcAAAAUAAAAAAAAAAAAAAD/fwAA/38AAAAAAAAJAAAABAAAAAAAAAAMAAAAEAAAAAAAAAAAAAAAAAAAAAAAAAAeAAAAaAAAAAAAAAAAAAAAAAAAAAAAAAAAAAAAECcAABAnAAAAAAAAAAAAAAAAAAAAAAAAAAAAAAAAAAAAAAAAAAAAABQAAAAAAAAAwMD/AAAAAABkAAAAMgAAAAAAAABkAAAAAAAAAH9/fwAKAAAAHwAAAFQAAAAAAAAFAAAAAQAAAAAAAAAAAAAAAAAAAAAAAAAAAAAAAAAAAAAAAAAAAAAAAn9/fwAAAAADzMzMAMDA/wB/f38AAAAAAAAAAAAAAAAAAAAAAAAAAAAhAAAAGAAAABQAAAAGCwAAxgMAAMYsAAAWHQAAEAAAACYAAAAIAAAAAYAAAAAAAAA="/>
+                <pr:smNativeData xmlns:pr="smNativeData" val="SMDATA_13_IrKAXRMAAAAlAAAAZAAAAA8BAAAAkAAAAEgAAACQAAAASAAAAAAAAAAAAAAAAAAAAAEAAABQAAAAAAAAAAAA4D8AAAAAAADgPwAAAAAAAOA/AAAAAAAA4D8AAAAAAADgPwAAAAAAAOA/AAAAAAAA4D8AAAAAAADgPwAAAAAAAOA/AAAAAAAA4D8CAAAAjAAAAAAAAAAAAAAAu+DjDP///wgAAAAAAAAAAAAAAAAAAAAAAAAAAAAAAAAAAAAAZAAAAAEAAABAAAAAAAAAAAAAAAAAAAAAAAAAAAAAAAAAAAAAAAAAAAAAAAAAAAAAAAAAAAAAAAAAAAAAAAAAAAAAAAAAAAAAAAAAAAAAAAAAAAAAAAAAAAAAAAAAAAAAFAAAADwAAAAAAAAAAAAAAAAAAAkUAAAAAQAAABQAAAAUAAAAFAAAAAEAAAAAAAAAZAAAAGQAAAAAAAAAZAAAAGQAAAAVAAAAYAAAAAAAAAAAAAAADwAAACADAAAAAAAAAAAAAAEAAACgMgAAVgcAAKr4//8BAAAAf39/AAEAAABkAAAAAAAAABQAAABAHwAAAAAAACYAAAAAAAAAwOD//wAAAAAmAAAAZAAAABYAAABMAAAAAAAAAAAAAAAEAAAAAAAAAAEAAACAgIAKAAAAACgAAAAoAAAAZAAAAGQAAAAAAAAAzMzMAAAAAABQAAAAUAAAAGQAAABkAAAAAAAAABcAAAAUAAAAAAAAAAAAAAD/fwAA/38AAAAAAAAJAAAABAAAAAAAAAAMAAAAEAAAAAAAAAAAAAAAAAAAAAAAAAAeAAAAaAAAAAAAAAAAAAAAAAAAAAAAAAAAAAAAECcAABAnAAAAAAAAAAAAAAAAAAAAAAAAAAAAAAAAAAAAAAAAAAAAABQAAAAAAAAAwMD/AAAAAABkAAAAMgAAAAAAAABkAAAAAAAAAH9/fwAKAAAAHwAAAFQAAAAAAAAFAAAAAQAAAAAAAAAAAAAAAAAAAAAAAAAAAAAAAAAAAAAAAAAAAAAAAn9/fwAAAAADzMzMAMDA/wB/f38AAAAAAAAAAAAAAAAAAAAAAAAAAAAhAAAAGAAAABQAAAAGCwAAxgMAAMYsAAAWHQAAEAAAACYAAAAIAAAAAYAAAAAAAAA="/>
               </a:ext>
             </a:extLst>
           </p:cNvSpPr>
@@ -2691,7 +2691,7 @@
             <a:spLocks noGrp="1" noChangeArrowheads="1"/>
             <a:extLst>
               <a:ext uri="smNativeData">
-                <pr:smNativeData xmlns:pr="smNativeData" val="SMDATA_13_BbpsXRMAAAAlAAAAZAAAAA8BAAAAkAAAAEgAAACQAAAASAAAAAAAAAAAAAAAAAAAAAEAAABQAAAAAAAAAAAA4D8AAAAAAADgPwAAAAAAAOA/AAAAAAAA4D8AAAAAAADgPwAAAAAAAOA/AAAAAAAA4D8AAAAAAADgPwAAAAAAAOA/AAAAAAAA4D8CAAAAjAAAAAAAAAAAAAAAu+DjDP///wgAAAAAAAAAAAAAAAAAAAAAAAAAAAAAAAAAAAAAZAAAAAEAAABAAAAAAAAAAAAAAAAAAAAAAAAAAAAAAAAAAAAAAAAAAAAAAAAAAAAAAAAAAAAAAAAAAAAAAAAAAAAAAAAAAAAAAAAAAAAAAAAAAAAAAAAAAAAAAAAAAAAAFAAAADwAAAAAAAAAAAAAAAAAAAkUAAAAAQAAABQAAAAUAAAAFAAAAAEAAAAAAAAAZAAAAGQAAAAAAAAAZAAAAGQAAAAVAAAAYAAAAAAAAAAAAAAADwAAACADAAAAAAAAAAAAAAEAAACgMgAAVgcAAKr4//8BAAAAf39/AAEAAABkAAAAAAAAABQAAABAHwAAAAAAACYAAAAAAAAAwOD//wAAAAAmAAAAZAAAABYAAABMAAAAAAAAAAAAAAAEAAAAAAAAAAEAAACAgIAKAAAAACgAAAAoAAAAZAAAAGQAAAAAAAAAzMzMAAAAAABQAAAAUAAAAGQAAABkAAAAAAAAABcAAAAUAAAAAAAAAAAAAAD/fwAA/38AAAAAAAAJAAAABAAAAAAAAAAMAAAAEAAAAAAAAAAAAAAAAAAAAAAAAAAeAAAAaAAAAAAAAAAAAAAAAAAAAAAAAAAAAAAAECcAABAnAAAAAAAAAAAAAAAAAAAAAAAAAAAAAAAAAAAAAAAAAAAAABQAAAAAAAAAwMD/AAAAAABkAAAAMgAAAAAAAABkAAAAAAAAAH9/fwAKAAAAHwAAAFQAAAAAAAAFAAAAAQAAAAAAAAAAAAAAAAAAAAAAAAAAAAAAAAAAAAAAAAAAAAAAAn9/fwAAAAADzMzMAMDA/wB/f38AAAAAAAAAAAAAAAAAAAAAAAAAAAAhAAAAGAAAABQAAAAGCwAABCEAAMYsAAD4JQAAEAAAACYAAAAIAAAAAYAAAAAAAAA="/>
+                <pr:smNativeData xmlns:pr="smNativeData" val="SMDATA_13_IrKAXRMAAAAlAAAAZAAAAA8BAAAAkAAAAEgAAACQAAAASAAAAAAAAAAAAAAAAAAAAAEAAABQAAAAAAAAAAAA4D8AAAAAAADgPwAAAAAAAOA/AAAAAAAA4D8AAAAAAADgPwAAAAAAAOA/AAAAAAAA4D8AAAAAAADgPwAAAAAAAOA/AAAAAAAA4D8CAAAAjAAAAAAAAAAAAAAAu+DjDP///wgAAAAAAAAAAAAAAAAAAAAAAAAAAAAAAAAAAAAAZAAAAAEAAABAAAAAAAAAAAAAAAAAAAAAAAAAAAAAAAAAAAAAAAAAAAAAAAAAAAAAAAAAAAAAAAAAAAAAAAAAAAAAAAAAAAAAAAAAAAAAAAAAAAAAAAAAAAAAAAAAAAAAFAAAADwAAAAAAAAAAAAAAAAAAAkUAAAAAQAAABQAAAAUAAAAFAAAAAEAAAAAAAAAZAAAAGQAAAAAAAAAZAAAAGQAAAAVAAAAYAAAAAAAAAAAAAAADwAAACADAAAAAAAAAAAAAAEAAACgMgAAVgcAAKr4//8BAAAAf39/AAEAAABkAAAAAAAAABQAAABAHwAAAAAAACYAAAAAAAAAwOD//wAAAAAmAAAAZAAAABYAAABMAAAAAAAAAAAAAAAEAAAAAAAAAAEAAACAgIAKAAAAACgAAAAoAAAAZAAAAGQAAAAAAAAAzMzMAAAAAABQAAAAUAAAAGQAAABkAAAAAAAAABcAAAAUAAAAAAAAAAAAAAD/fwAA/38AAAAAAAAJAAAABAAAAAAAAAAMAAAAEAAAAAAAAAAAAAAAAAAAAAAAAAAeAAAAaAAAAAAAAAAAAAAAAAAAAAAAAAAAAAAAECcAABAnAAAAAAAAAAAAAAAAAAAAAAAAAAAAAAAAAAAAAAAAAAAAABQAAAAAAAAAwMD/AAAAAABkAAAAMgAAAAAAAABkAAAAAAAAAH9/fwAKAAAAHwAAAFQAAAAAAAAFAAAAAQAAAAAAAAAAAAAAAAAAAAAAAAAAAAAAAAAAAAAAAAAAAAAAAn9/fwAAAAADzMzMAMDA/wB/f38AAAAAAAAAAAAAAAAAAAAAAAAAAAAhAAAAGAAAABQAAAAGCwAABCEAAMYsAAD4JQAAEAAAACYAAAAIAAAAAYAAAAAAAAA="/>
               </a:ext>
             </a:extLst>
           </p:cNvSpPr>
@@ -2760,7 +2760,7 @@
             <a:spLocks noGrp="1" noChangeArrowheads="1"/>
             <a:extLst>
               <a:ext uri="smNativeData">
-                <pr:smNativeData xmlns:pr="smNativeData" val="SMDATA_13_BbpsXRMAAAAlAAAAZAAAAA8BAAAAkAAAAEgAAACQAAAASAAAAAAAAAABAAAAAAAAAAEAAABQAAAAAAAAAAAA4D8AAAAAAADgPwAAAAAAAOA/AAAAAAAA4D8AAAAAAADgPwAAAAAAAOA/AAAAAAAA4D8AAAAAAADgPwAAAAAAAOA/AAAAAAAA4D8CAAAAjAAAAAAAAAAAAAAAu+DjDP///wgAAAAAAAAAAAAAAAAAAAAAAAAAAAAAAAAAAAAAZAAAAAEAAABAAAAAAAAAAAAAAAAAAAAAAAAAAAAAAAAAAAAAAAAAAAAAAAAAAAAAAAAAAAAAAAAAAAAAAAAAAAAAAAAAAAAAAAAAAAAAAAAAAAAAAAAAAAAAAAAAAAAAFAAAADwAAAAAAAAAAAAAAAAAAAkUAAAAAQAAABQAAAAUAAAAFAAAAAEAAAAAAAAAZAAAAGQAAAAAAAAAZAAAAGQAAAAVAAAAYAAAAAAAAAAAAAAADwAAACADAAAAAAAAAAAAAAEAAACgMgAAVgcAAKr4//8BAAAAf39/AAEAAABkAAAAAAAAABQAAABAHwAAAAAAACYAAAAAAAAAwOD//wAAAAAmAAAAZAAAABYAAABMAAAAAAAAAAAAAAAEAAAAAAAAAAEAAACAgIAKAAAAACgAAAAoAAAAZAAAAGQAAAAAAAAAzMzMAAAAAABQAAAAUAAAAGQAAABkAAAAAAAAABcAAAAUAAAAAAAAAAAAAAD/fwAA/38AAAAAAAAJAAAABAAAAAAAAAAMAAAAEAAAAAAAAAAAAAAAAAAAAAAAAAAeAAAAaAAAAAAAAAAAAAAAAAAAAAAAAAAAAAAAECcAABAnAAAAAAAAAAAAAAAAAAAAAAAAAAAAAAAAAAAAAAAAAAAAABQAAAAAAAAAwMD/AAAAAABkAAAAMgAAAAAAAABkAAAAAAAAAH9/fwAKAAAAHwAAAFQAAAAAAAAFAAAAAQAAAAAAAAAAAAAAAAAAAAAAAAAAAAAAAAAAAAAAAAAAAAAAAn9/fwAAAAADzMzMAMDA/wB/f38AAAAAAAAAAAAAAAAAAAAAAAAAAAAhAAAAGAAAABQAAADQAgAAGycAAPAPAABZKQAAEAAAACYAAAAIAAAAAAAAAAAAAAA="/>
+                <pr:smNativeData xmlns:pr="smNativeData" val="SMDATA_13_IrKAXRMAAAAlAAAAZAAAAA8BAAAAkAAAAEgAAACQAAAASAAAAAAAAAABAAAAAAAAAAEAAABQAAAAAAAAAAAA4D8AAAAAAADgPwAAAAAAAOA/AAAAAAAA4D8AAAAAAADgPwAAAAAAAOA/AAAAAAAA4D8AAAAAAADgPwAAAAAAAOA/AAAAAAAA4D8CAAAAjAAAAAAAAAAAAAAAu+DjDP///wgAAAAAAAAAAAAAAAAAAAAAAAAAAAAAAAAAAAAAZAAAAAEAAABAAAAAAAAAAAAAAAAAAAAAAAAAAAAAAAAAAAAAAAAAAAAAAAAAAAAAAAAAAAAAAAAAAAAAAAAAAAAAAAAAAAAAAAAAAAAAAAAAAAAAAAAAAAAAAAAAAAAAFAAAADwAAAAAAAAAAAAAAAAAAAkUAAAAAQAAABQAAAAUAAAAFAAAAAEAAAAAAAAAZAAAAGQAAAAAAAAAZAAAAGQAAAAVAAAAYAAAAAAAAAAAAAAADwAAACADAAAAAAAAAAAAAAEAAACgMgAAVgcAAKr4//8BAAAAf39/AAEAAABkAAAAAAAAABQAAABAHwAAAAAAACYAAAAAAAAAwOD//wAAAAAmAAAAZAAAABYAAABMAAAAAAAAAAAAAAAEAAAAAAAAAAEAAACAgIAKAAAAACgAAAAoAAAAZAAAAGQAAAAAAAAAzMzMAAAAAABQAAAAUAAAAGQAAABkAAAAAAAAABcAAAAUAAAAAAAAAAAAAAD/fwAA/38AAAAAAAAJAAAABAAAAAAAAAAMAAAAEAAAAAAAAAAAAAAAAAAAAAAAAAAeAAAAaAAAAAAAAAAAAAAAAAAAAAAAAAAAAAAAECcAABAnAAAAAAAAAAAAAAAAAAAAAAAAAAAAAAAAAAAAAAAAAAAAABQAAAAAAAAAwMD/AAAAAABkAAAAMgAAAAAAAABkAAAAAAAAAH9/fwAKAAAAHwAAAFQAAAAAAAAFAAAAAQAAAAAAAAAAAAAAAAAAAAAAAAAAAAAAAAAAAAAAAAAAAAAAAn9/fwAAAAADzMzMAMDA/wB/f38AAAAAAAAAAAAAAAAAAAAAAAAAAAAhAAAAGAAAABQAAADQAgAAGycAAPAPAABZKQAAEAAAACYAAAAIAAAAAAAAAAAAAAA="/>
               </a:ext>
             </a:extLst>
           </p:cNvSpPr>
@@ -2774,7 +2774,7 @@
           <a:lstStyle/>
           <a:p>
             <a:pPr/>
-            <a:fld id="{080B1AD0-9EE5-5EEC-ABB3-68B954FD5D3D}" type="datetime1">
+            <a:fld id="{0D0183F7-B9E0-5475-AEB9-4F20CDF7581A}" type="datetime1">
               <a:t/>
             </a:fld>
           </a:p>
@@ -2787,7 +2787,7 @@
             <a:spLocks noGrp="1" noChangeArrowheads="1"/>
             <a:extLst>
               <a:ext uri="smNativeData">
-                <pr:smNativeData xmlns:pr="smNativeData" val="SMDATA_13_BbpsXRMAAAAlAAAAZAAAAA8BAAAAkAAAAEgAAACQAAAASAAAAAAAAAABAAAAAAAAAAEAAABQAAAAAAAAAAAA4D8AAAAAAADgPwAAAAAAAOA/AAAAAAAA4D8AAAAAAADgPwAAAAAAAOA/AAAAAAAA4D8AAAAAAADgPwAAAAAAAOA/AAAAAAAA4D8CAAAAjAAAAAAAAAAAAAAAu+DjDP///wgAAAAAAAAAAAAAAAAAAAAAAAAAAAAAAAAAAAAAZAAAAAEAAABAAAAAAAAAAAAAAAAAAAAAAAAAAAAAAAAAAAAAAAAAAAAAAAAAAAAAAAAAAAAAAAAAAAAAAAAAAAAAAAAAAAAAAAAAAAAAAAAAAAAAAAAAAAAAAAAAAAAAFAAAADwAAAAAAAAAAAAAAAAAAAkUAAAAAQAAABQAAAAUAAAAFAAAAAEAAAAAAAAAZAAAAGQAAAAAAAAAZAAAAGQAAAAVAAAAYAAAAAAAAAAAAAAADwAAACADAAAAAAAAAAAAAAEAAACgMgAAVgcAAKr4//8BAAAAf39/AAEAAABkAAAAAAAAABQAAABAHwAAAAAAACYAAAAAAAAAwOD//wAAAAAmAAAAZAAAABYAAABMAAAAAAAAAAAAAAAEAAAAAAAAAAEAAACAgIAKAAAAACgAAAAoAAAAZAAAAGQAAAAAAAAAzMzMAAAAAABQAAAAUAAAAGQAAABkAAAAAAAAABcAAAAUAAAAAAAAAAAAAAD/fwAA/38AAAAAAAAJAAAABAAAAAAAAAAMAAAAEAAAAAAAAAAAAAAAAAAAAAAAAAAeAAAAaAAAAAAAAAAAAAAAAAAAAAAAAAAAAAAAECcAABAnAAAAAAAAAAAAAAAAAAAAAAAAAAAAAAAAAAAAAAAAAAAAABQAAAAAAAAAwMD/AAAAAABkAAAAMgAAAAAAAABkAAAAAAAAAH9/fwAKAAAAHwAAAFQAAAAAAAAFAAAAAQAAAAAAAAAAAAAAAAAAAAAAAAAAAAAAAAAAAAAAAAAAAAAAAn9/fwAAAAADzMzMAMDA/wB/f38AAAAAAAAAAAAAAAAAAAAAAAAAAAAhAAAAGAAAABQAAAA4EwAAGycAAAglAABZKQAAEAAAACYAAAAIAAAAAAAAAAAAAAA="/>
+                <pr:smNativeData xmlns:pr="smNativeData" val="SMDATA_13_IrKAXRMAAAAlAAAAZAAAAA8BAAAAkAAAAEgAAACQAAAASAAAAAAAAAABAAAAAAAAAAEAAABQAAAAAAAAAAAA4D8AAAAAAADgPwAAAAAAAOA/AAAAAAAA4D8AAAAAAADgPwAAAAAAAOA/AAAAAAAA4D8AAAAAAADgPwAAAAAAAOA/AAAAAAAA4D8CAAAAjAAAAAAAAAAAAAAAu+DjDP///wgAAAAAAAAAAAAAAAAAAAAAAAAAAAAAAAAAAAAAZAAAAAEAAABAAAAAAAAAAAAAAAAAAAAAAAAAAAAAAAAAAAAAAAAAAAAAAAAAAAAAAAAAAAAAAAAAAAAAAAAAAAAAAAAAAAAAAAAAAAAAAAAAAAAAAAAAAAAAAAAAAAAAFAAAADwAAAAAAAAAAAAAAAAAAAkUAAAAAQAAABQAAAAUAAAAFAAAAAEAAAAAAAAAZAAAAGQAAAAAAAAAZAAAAGQAAAAVAAAAYAAAAAAAAAAAAAAADwAAACADAAAAAAAAAAAAAAEAAACgMgAAVgcAAKr4//8BAAAAf39/AAEAAABkAAAAAAAAABQAAABAHwAAAAAAACYAAAAAAAAAwOD//wAAAAAmAAAAZAAAABYAAABMAAAAAAAAAAAAAAAEAAAAAAAAAAEAAACAgIAKAAAAACgAAAAoAAAAZAAAAGQAAAAAAAAAzMzMAAAAAABQAAAAUAAAAGQAAABkAAAAAAAAABcAAAAUAAAAAAAAAAAAAAD/fwAA/38AAAAAAAAJAAAABAAAAAAAAAAMAAAAEAAAAAAAAAAAAAAAAAAAAAAAAAAeAAAAaAAAAAAAAAAAAAAAAAAAAAAAAAAAAAAAECcAABAnAAAAAAAAAAAAAAAAAAAAAAAAAAAAAAAAAAAAAAAAAAAAABQAAAAAAAAAwMD/AAAAAABkAAAAMgAAAAAAAABkAAAAAAAAAH9/fwAKAAAAHwAAAFQAAAAAAAAFAAAAAQAAAAAAAAAAAAAAAAAAAAAAAAAAAAAAAAAAAAAAAAAAAAAAAn9/fwAAAAADzMzMAMDA/wB/f38AAAAAAAAAAAAAAAAAAAAAAAAAAAAhAAAAGAAAABQAAAA4EwAAGycAAAglAABZKQAAEAAAACYAAAAIAAAAAAAAAAAAAAA="/>
               </a:ext>
             </a:extLst>
           </p:cNvSpPr>
@@ -2811,7 +2811,7 @@
             <a:spLocks noGrp="1" noChangeArrowheads="1"/>
             <a:extLst>
               <a:ext uri="smNativeData">
-                <pr:smNativeData xmlns:pr="smNativeData" val="SMDATA_13_BbpsXRMAAAAlAAAAZAAAAA8BAAAAkAAAAEgAAACQAAAASAAAAAAAAAABAAAAAAAAAAEAAABQAAAAAAAAAAAA4D8AAAAAAADgPwAAAAAAAOA/AAAAAAAA4D8AAAAAAADgPwAAAAAAAOA/AAAAAAAA4D8AAAAAAADgPwAAAAAAAOA/AAAAAAAA4D8CAAAAjAAAAAAAAAAAAAAAu+DjDP///wgAAAAAAAAAAAAAAAAAAAAAAAAAAAAAAAAAAAAAZAAAAAEAAABAAAAAAAAAAAAAAAAAAAAAAAAAAAAAAAAAAAAAAAAAAAAAAAAAAAAAAAAAAAAAAAAAAAAAAAAAAAAAAAAAAAAAAAAAAAAAAAAAAAAAAAAAAAAAAAAAAAAAFAAAADwAAAAAAAAAAAAAAAAAAAkUAAAAAQAAABQAAAAUAAAAFAAAAAEAAAAAAAAAZAAAAGQAAAAAAAAAZAAAAGQAAAAVAAAAYAAAAAAAAAAAAAAADwAAACADAAAAAAAAAAAAAAEAAACgMgAAVgcAAKr4//8BAAAAf39/AAEAAABkAAAAAAAAABQAAABAHwAAAAAAACYAAAAAAAAAwOD//wAAAAAmAAAAZAAAABYAAABMAAAAAAAAAAAAAAAEAAAAAAAAAAEAAACAgIAKAAAAACgAAAAoAAAAZAAAAGQAAAAAAAAAzMzMAAAAAABQAAAAUAAAAGQAAABkAAAAAAAAABcAAAAUAAAAAAAAAAAAAAD/fwAA/38AAAAAAAAJAAAABAAAAAAAAAAMAAAAEAAAAAAAAAAAAAAAAAAAAAAAAAAeAAAAaAAAAAAAAAAAAAAAAAAAAAAAAAAAAAAAECcAABAnAAAAAAAAAAAAAAAAAAAAAAAAAAAAAAAAAAAAAAAAAAAAABQAAAAAAAAAwMD/AAAAAABkAAAAMgAAAAAAAABkAAAAAAAAAH9/fwAKAAAAHwAAAFQAAAAAAAAFAAAAAQAAAAAAAAAAAAAAAAAAAAAAAAAAAAAAAAAAAAAAAAAAAAAAAn9/fwAAAAADzMzMAMDA/wB/f38AAAAAAAAAAAAAAAAAAAAAAAAAAAAhAAAAGAAAABQAAABQKAAAGycAAHA1AABZKQAAEAAAACYAAAAIAAAAAAAAAAAAAAA="/>
+                <pr:smNativeData xmlns:pr="smNativeData" val="SMDATA_13_IrKAXRMAAAAlAAAAZAAAAA8BAAAAkAAAAEgAAACQAAAASAAAAAAAAAABAAAAAAAAAAEAAABQAAAAAAAAAAAA4D8AAAAAAADgPwAAAAAAAOA/AAAAAAAA4D8AAAAAAADgPwAAAAAAAOA/AAAAAAAA4D8AAAAAAADgPwAAAAAAAOA/AAAAAAAA4D8CAAAAjAAAAAAAAAAAAAAAu+DjDP///wgAAAAAAAAAAAAAAAAAAAAAAAAAAAAAAAAAAAAAZAAAAAEAAABAAAAAAAAAAAAAAAAAAAAAAAAAAAAAAAAAAAAAAAAAAAAAAAAAAAAAAAAAAAAAAAAAAAAAAAAAAAAAAAAAAAAAAAAAAAAAAAAAAAAAAAAAAAAAAAAAAAAAFAAAADwAAAAAAAAAAAAAAAAAAAkUAAAAAQAAABQAAAAUAAAAFAAAAAEAAAAAAAAAZAAAAGQAAAAAAAAAZAAAAGQAAAAVAAAAYAAAAAAAAAAAAAAADwAAACADAAAAAAAAAAAAAAEAAACgMgAAVgcAAKr4//8BAAAAf39/AAEAAABkAAAAAAAAABQAAABAHwAAAAAAACYAAAAAAAAAwOD//wAAAAAmAAAAZAAAABYAAABMAAAAAAAAAAAAAAAEAAAAAAAAAAEAAACAgIAKAAAAACgAAAAoAAAAZAAAAGQAAAAAAAAAzMzMAAAAAABQAAAAUAAAAGQAAABkAAAAAAAAABcAAAAUAAAAAAAAAAAAAAD/fwAA/38AAAAAAAAJAAAABAAAAAAAAAAMAAAAEAAAAAAAAAAAAAAAAAAAAAAAAAAeAAAAaAAAAAAAAAAAAAAAAAAAAAAAAAAAAAAAECcAABAnAAAAAAAAAAAAAAAAAAAAAAAAAAAAAAAAAAAAAAAAAAAAABQAAAAAAAAAwMD/AAAAAABkAAAAMgAAAAAAAABkAAAAAAAAAH9/fwAKAAAAHwAAAFQAAAAAAAAFAAAAAQAAAAAAAAAAAAAAAAAAAAAAAAAAAAAAAAAAAAAAAAAAAAAAAn9/fwAAAAADzMzMAMDA/wB/f38AAAAAAAAAAAAAAAAAAAAAAAAAAAAhAAAAGAAAABQAAABQKAAAGycAAHA1AABZKQAAEAAAACYAAAAIAAAAAAAAAAAAAAA="/>
               </a:ext>
             </a:extLst>
           </p:cNvSpPr>
@@ -2825,7 +2825,7 @@
           <a:lstStyle/>
           <a:p>
             <a:pPr/>
-            <a:fld id="{124FF9FE-B0FF-1A0F-B1F7-465AB7B94713}" type="slidenum">
+            <a:fld id="{0B0A29F9-B7E6-5FDF-A8B2-418A67FC5E14}" type="slidenum">
               <a:t/>
             </a:fld>
           </a:p>
@@ -2871,7 +2871,7 @@
             <a:spLocks noGrp="1" noChangeArrowheads="1"/>
             <a:extLst>
               <a:ext uri="smNativeData">
-                <pr:smNativeData xmlns:pr="smNativeData" val="SMDATA_13_BbpsXRMAAAAlAAAAZAAAAA8BAAAAkAAAAEgAAACQAAAASAAAAAAAAAABAAAAAAAAAAEAAABQAAAAAAAAAAAA4D8AAAAAAADgPwAAAAAAAOA/AAAAAAAA4D8AAAAAAADgPwAAAAAAAOA/AAAAAAAA4D8AAAAAAADgPwAAAAAAAOA/AAAAAAAA4D8CAAAAjAAAAAAAAAAAAAAAu+DjDP///wgAAAAAAAAAAAAAAAAAAAAAAAAAAAAAAAAAAAAAZAAAAAEAAABAAAAAAAAAAAAAAAAAAAAAAAAAAAAAAAAAAAAAAAAAAAAAAAAAAAAAAAAAAAAAAAAAAAAAAAAAAAAAAAAAAAAAAAAAAAAAAAAAAAAAAAAAAAAAAAAAAAAAFAAAADwAAAAAAAAAAAAAAAAAAAkUAAAAAQAAABQAAAAUAAAAFAAAAAEAAAAAAAAAZAAAAGQAAAAAAAAAZAAAAGQAAAAVAAAAYAAAAAAAAAAAAAAADwAAACADAAAAAAAAAAAAAAEAAACgMgAAVgcAAKr4//8BAAAAf39/AAEAAABkAAAAAAAAABQAAABAHwAAAAAAACYAAAAAAAAAwOD//wAAAAAmAAAAZAAAABYAAABMAAAAAAAAAAAAAAAEAAAAAAAAAAEAAACAgIAKAAAAACgAAAAoAAAAZAAAAGQAAAAAAAAAzMzMAAAAAABQAAAAUAAAAGQAAABkAAAAAAAAABcAAAAUAAAAAAAAAAAAAAD/fwAA/38AAAAAAAAJAAAABAAAAAAAAAAMAAAAEAAAAAAAAAAAAAAAAAAAAAAAAAAeAAAAaAAAAAAAAAAAAAAAAAAAAAAAAAAAAAAAECcAABAnAAAAAAAAAAAAAAAAAAAAAAAAAAAAAAAAAAAAAAAAAAAAABQAAAAAAAAAwMD/AAAAAABkAAAAMgAAAAAAAABkAAAAAAAAAH9/fwAKAAAAHwAAAFQAAAAAAAAFAAAAAQAAAAAAAAAAAAAAAAAAAAAAAAAAAAAAAAAAAAAAAAAAAAAAAn9/fwAAAAADzMzMAMDA/wB/f38AAAAAAAAAAAAAAAAAAAAAAAAAAAAhAAAAGAAAABQAAADQAgAAsAEAAHA1AAC4CAAAEAAAACYAAAAIAAAA//////////8="/>
+                <pr:smNativeData xmlns:pr="smNativeData" val="SMDATA_13_IrKAXRMAAAAlAAAAZAAAAA8BAAAAkAAAAEgAAACQAAAASAAAAAAAAAABAAAAAAAAAAEAAABQAAAAAAAAAAAA4D8AAAAAAADgPwAAAAAAAOA/AAAAAAAA4D8AAAAAAADgPwAAAAAAAOA/AAAAAAAA4D8AAAAAAADgPwAAAAAAAOA/AAAAAAAA4D8CAAAAjAAAAAAAAAAAAAAAu+DjDP///wgAAAAAAAAAAAAAAAAAAAAAAAAAAAAAAAAAAAAAZAAAAAEAAABAAAAAAAAAAAAAAAAAAAAAAAAAAAAAAAAAAAAAAAAAAAAAAAAAAAAAAAAAAAAAAAAAAAAAAAAAAAAAAAAAAAAAAAAAAAAAAAAAAAAAAAAAAAAAAAAAAAAAFAAAADwAAAAAAAAAAAAAAAAAAAkUAAAAAQAAABQAAAAUAAAAFAAAAAEAAAAAAAAAZAAAAGQAAAAAAAAAZAAAAGQAAAAVAAAAYAAAAAAAAAAAAAAADwAAACADAAAAAAAAAAAAAAEAAACgMgAAVgcAAKr4//8BAAAAf39/AAEAAABkAAAAAAAAABQAAABAHwAAAAAAACYAAAAAAAAAwOD//wAAAAAmAAAAZAAAABYAAABMAAAAAAAAAAAAAAAEAAAAAAAAAAEAAACAgIAKAAAAACgAAAAoAAAAZAAAAGQAAAAAAAAAzMzMAAAAAABQAAAAUAAAAGQAAABkAAAAAAAAABcAAAAUAAAAAAAAAAAAAAD/fwAA/38AAAAAAAAJAAAABAAAAAAAAAAMAAAAEAAAAAAAAAAAAAAAAAAAAAAAAAAeAAAAaAAAAAAAAAAAAAAAAAAAAAAAAAAAAAAAECcAABAnAAAAAAAAAAAAAAAAAAAAAAAAAAAAAAAAAAAAAAAAAAAAABQAAAAAAAAAwMD/AAAAAABkAAAAMgAAAAAAAABkAAAAAAAAAH9/fwAKAAAAHwAAAFQAAAAAAAAFAAAAAQAAAAAAAAAAAAAAAAAAAAAAAAAAAAAAAAAAAAAAAAAAAAAAAn9/fwAAAAADzMzMAMDA/wB/f38AAAAAAAAAAAAAAAAAAAAAAAAAAAAhAAAAGAAAABQAAADQAgAAsAEAAHA1AAC4CAAAEAAAACYAAAAIAAAA//////////8="/>
               </a:ext>
             </a:extLst>
           </p:cNvSpPr>
@@ -2915,7 +2915,7 @@
             <a:spLocks noGrp="1" noChangeArrowheads="1"/>
             <a:extLst>
               <a:ext uri="smNativeData">
-                <pr:smNativeData xmlns:pr="smNativeData" val="SMDATA_13_BbpsXRMAAAAlAAAAZAAAAA8BAAAAkAAAAEgAAACQAAAASAAAAAAAAAAAAAAAAAAAAAEAAABQAAAAAAAAAAAA4D8AAAAAAADgPwAAAAAAAOA/AAAAAAAA4D8AAAAAAADgPwAAAAAAAOA/AAAAAAAA4D8AAAAAAADgPwAAAAAAAOA/AAAAAAAA4D8CAAAAjAAAAAAAAAAAAAAAu+DjDP///wgAAAAAAAAAAAAAAAAAAAAAAAAAAAAAAAAAAAAAZAAAAAEAAABAAAAAAAAAAAAAAAAAAAAAAAAAAAAAAAAAAAAAAAAAAAAAAAAAAAAAAAAAAAAAAAAAAAAAAAAAAAAAAAAAAAAAAAAAAAAAAAAAAAAAAAAAAAAAAAAAAAAAFAAAADwAAAAAAAAAAAAAAAAAAAkUAAAAAQAAABQAAAAUAAAAFAAAAAEAAAAAAAAAZAAAAGQAAAAAAAAAZAAAAGQAAAAVAAAAYAAAAAAAAAAAAAAADwAAACADAAAAAAAAAAAAAAEAAACgMgAAVgcAAKr4//8BAAAAf39/AAEAAABkAAAAAAAAABQAAABAHwAAAAAAACYAAAAAAAAAwOD//wAAAAAmAAAAZAAAABYAAABMAAAAAAAAAAAAAAAEAAAAAAAAAAEAAACAgIAKAAAAACgAAAAoAAAAZAAAAGQAAAAAAAAAzMzMAAAAAABQAAAAUAAAAGQAAABkAAAAAAAAABcAAAAUAAAAAAAAAAAAAAD/fwAA/38AAAAAAAAJAAAABAAAAAAAAAAMAAAAEAAAAAAAAAAAAAAAAAAAAAAAAAAeAAAAaAAAAAAAAAAAAAAAAAAAAAAAAAAAAAAAECcAABAnAAAAAAAAAAAAAAAAAAAAAAAAAAAAAAAAAAAAAAAAAAAAABQAAAAAAAAAwMD/AAAAAABkAAAAMgAAAAAAAABkAAAAAAAAAH9/fwAKAAAAHwAAAFQAAAAAAAAFAAAAAQAAAAAAAAAAAAAAAAAAAAAAAAAAAAAAAAAAAAAAAAAAAAAAAn9/fwAAAAADzMzMAMDA/wB/f38AAAAAAAAAAAAAAAAAAAAAAAAAAAAhAAAAGAAAABQAAADQAgAA2AkAAHA1AACwJQAAEAAAACYAAAAIAAAA//////////8="/>
+                <pr:smNativeData xmlns:pr="smNativeData" val="SMDATA_13_IrKAXRMAAAAlAAAAZAAAAA8BAAAAkAAAAEgAAACQAAAASAAAAAAAAAAAAAAAAAAAAAEAAABQAAAAAAAAAAAA4D8AAAAAAADgPwAAAAAAAOA/AAAAAAAA4D8AAAAAAADgPwAAAAAAAOA/AAAAAAAA4D8AAAAAAADgPwAAAAAAAOA/AAAAAAAA4D8CAAAAjAAAAAAAAAAAAAAAu+DjDP///wgAAAAAAAAAAAAAAAAAAAAAAAAAAAAAAAAAAAAAZAAAAAEAAABAAAAAAAAAAAAAAAAAAAAAAAAAAAAAAAAAAAAAAAAAAAAAAAAAAAAAAAAAAAAAAAAAAAAAAAAAAAAAAAAAAAAAAAAAAAAAAAAAAAAAAAAAAAAAAAAAAAAAFAAAADwAAAAAAAAAAAAAAAAAAAkUAAAAAQAAABQAAAAUAAAAFAAAAAEAAAAAAAAAZAAAAGQAAAAAAAAAZAAAAGQAAAAVAAAAYAAAAAAAAAAAAAAADwAAACADAAAAAAAAAAAAAAEAAACgMgAAVgcAAKr4//8BAAAAf39/AAEAAABkAAAAAAAAABQAAABAHwAAAAAAACYAAAAAAAAAwOD//wAAAAAmAAAAZAAAABYAAABMAAAAAAAAAAAAAAAEAAAAAAAAAAEAAACAgIAKAAAAACgAAAAoAAAAZAAAAGQAAAAAAAAAzMzMAAAAAABQAAAAUAAAAGQAAABkAAAAAAAAABcAAAAUAAAAAAAAAAAAAAD/fwAA/38AAAAAAAAJAAAABAAAAAAAAAAMAAAAEAAAAAAAAAAAAAAAAAAAAAAAAAAeAAAAaAAAAAAAAAAAAAAAAAAAAAAAAAAAAAAAECcAABAnAAAAAAAAAAAAAAAAAAAAAAAAAAAAAAAAAAAAAAAAAAAAABQAAAAAAAAAwMD/AAAAAABkAAAAMgAAAAAAAABkAAAAAAAAAH9/fwAKAAAAHwAAAFQAAAAAAAAFAAAAAQAAAAAAAAAAAAAAAAAAAAAAAAAAAAAAAAAAAAAAAAAAAAAAAn9/fwAAAAADzMzMAMDA/wB/f38AAAAAAAAAAAAAAAAAAAAAAAAAAAAhAAAAGAAAABQAAADQAgAA2AkAAHA1AACwJQAAEAAAACYAAAAIAAAA//////////8="/>
               </a:ext>
             </a:extLst>
           </p:cNvSpPr>
@@ -2983,7 +2983,7 @@
             <a:spLocks noGrp="1" noChangeArrowheads="1"/>
             <a:extLst>
               <a:ext uri="smNativeData">
-                <pr:smNativeData xmlns:pr="smNativeData" val="SMDATA_13_BbpsXRMAAAAlAAAAZAAAAA8BAAAAkAAAAEgAAACQAAAASAAAAAAAAAABAAAAAAAAAAEAAABQAAAAAAAAAAAA4D8AAAAAAADgPwAAAAAAAOA/AAAAAAAA4D8AAAAAAADgPwAAAAAAAOA/AAAAAAAA4D8AAAAAAADgPwAAAAAAAOA/AAAAAAAA4D8CAAAAjAAAAAAAAAAAAAAAu+DjDP///wgAAAAAAAAAAAAAAAAAAAAAAAAAAAAAAAAAAAAAZAAAAAEAAABAAAAAAAAAAAAAAAAAAAAAAAAAAAAAAAAAAAAAAAAAAAAAAAAAAAAAAAAAAAAAAAAAAAAAAAAAAAAAAAAAAAAAAAAAAAAAAAAAAAAAAAAAAAAAAAAAAAAAFAAAADwAAAAAAAAAAAAAAAAAAAkUAAAAAQAAABQAAAAUAAAAFAAAAAEAAAAAAAAAZAAAAGQAAAAAAAAAZAAAAGQAAAAVAAAAYAAAAAAAAAAAAAAADwAAACADAAAAAAAAAAAAAAEAAACgMgAAVgcAAKr4//8BAAAAf39/AAEAAABkAAAAAAAAABQAAABAHwAAAAAAACYAAAAAAAAAwOD//wAAAAAmAAAAZAAAABYAAABMAAAAAAAAAAAAAAAEAAAAAAAAAAEAAACAgIAKAAAAACgAAAAoAAAAZAAAAGQAAAAAAAAAzMzMAAAAAABQAAAAUAAAAGQAAABkAAAAAAAAABcAAAAUAAAAAAAAAAAAAAD/fwAA/38AAAAAAAAJAAAABAAAAGVlZWUMAAAAEAAAAAAAAAAAAAAAAAAAAAAAAAAeAAAAaAAAAAAAAAAAAAAAAAAAAAAAAAAAAAAAECcAABAnAAAAAAAAAAAAAAAAAAAAAAAAAAAAAAAAAAAAAAAAAAAAABQAAAAAAAAAwMD/AAAAAABkAAAAMgAAAAAAAABkAAAAAAAAAH9/fwAKAAAAHwAAAFQAAAAAAAAFAAAAAQAAAAAAAAAAAAAAAAAAAAAAAAAAAAAAAAAAAAAAAAAAAAAAAn9/fwAAAAADzMzMAMDA/wB/f38AAAAAAAAAAAAAAAAAAAAAAAAAAAAhAAAAGAAAABQAAADQAgAAGycAAPAPAABZKQAAEAAAACYAAAAIAAAA//////////8="/>
+                <pr:smNativeData xmlns:pr="smNativeData" val="SMDATA_13_IrKAXRMAAAAlAAAAZAAAAA8BAAAAkAAAAEgAAACQAAAASAAAAAAAAAABAAAAAAAAAAEAAABQAAAAAAAAAAAA4D8AAAAAAADgPwAAAAAAAOA/AAAAAAAA4D8AAAAAAADgPwAAAAAAAOA/AAAAAAAA4D8AAAAAAADgPwAAAAAAAOA/AAAAAAAA4D8CAAAAjAAAAAAAAAAAAAAAu+DjDP///wgAAAAAAAAAAAAAAAAAAAAAAAAAAAAAAAAAAAAAZAAAAAEAAABAAAAAAAAAAAAAAAAAAAAAAAAAAAAAAAAAAAAAAAAAAAAAAAAAAAAAAAAAAAAAAAAAAAAAAAAAAAAAAAAAAAAAAAAAAAAAAAAAAAAAAAAAAAAAAAAAAAAAFAAAADwAAAAAAAAAAAAAAAAAAAkUAAAAAQAAABQAAAAUAAAAFAAAAAEAAAAAAAAAZAAAAGQAAAAAAAAAZAAAAGQAAAAVAAAAYAAAAAAAAAAAAAAADwAAACADAAAAAAAAAAAAAAEAAACgMgAAVgcAAKr4//8BAAAAf39/AAEAAABkAAAAAAAAABQAAABAHwAAAAAAACYAAAAAAAAAwOD//wAAAAAmAAAAZAAAABYAAABMAAAAAAAAAAAAAAAEAAAAAAAAAAEAAACAgIAKAAAAACgAAAAoAAAAZAAAAGQAAAAAAAAAzMzMAAAAAABQAAAAUAAAAGQAAABkAAAAAAAAABcAAAAUAAAAAAAAAAAAAAD/fwAA/38AAAAAAAAJAAAABAAAAGVlZWUMAAAAEAAAAAAAAAAAAAAAAAAAAAAAAAAeAAAAaAAAAAAAAAAAAAAAAAAAAAAAAAAAAAAAECcAABAnAAAAAAAAAAAAAAAAAAAAAAAAAAAAAAAAAAAAAAAAAAAAABQAAAAAAAAAwMD/AAAAAABkAAAAMgAAAAAAAABkAAAAAAAAAH9/fwAKAAAAHwAAAFQAAAAAAAAFAAAAAQAAAAAAAAAAAAAAAAAAAAAAAAAAAAAAAAAAAAAAAAAAAAAAAn9/fwAAAAADzMzMAMDA/wB/f38AAAAAAAAAAAAAAAAAAAAAAAAAAAAhAAAAGAAAABQAAADQAgAAGycAAPAPAABZKQAAEAAAACYAAAAIAAAA//////////8="/>
               </a:ext>
             </a:extLst>
           </p:cNvSpPr>
@@ -3018,7 +3018,7 @@
           </a:lstStyle>
           <a:p>
             <a:pPr/>
-            <a:fld id="{40169FA9-E7AD-4369-E3AE-113CD1E01544}" type="datetime1">
+            <a:fld id="{5F31F732-7CB2-6401-FC89-8A54B9C70ADF}" type="datetime1">
               <a:t/>
             </a:fld>
           </a:p>
@@ -3031,7 +3031,7 @@
             <a:spLocks noGrp="1" noChangeArrowheads="1"/>
             <a:extLst>
               <a:ext uri="smNativeData">
-                <pr:smNativeData xmlns:pr="smNativeData" val="SMDATA_13_BbpsXRMAAAAlAAAAZAAAAA8BAAAAkAAAAEgAAACQAAAASAAAAAAAAAABAAAAAAAAAAEAAABQAAAAAAAAAAAA4D8AAAAAAADgPwAAAAAAAOA/AAAAAAAA4D8AAAAAAADgPwAAAAAAAOA/AAAAAAAA4D8AAAAAAADgPwAAAAAAAOA/AAAAAAAA4D8CAAAAjAAAAAAAAAAAAAAAu+DjDP///wgAAAAAAAAAAAAAAAAAAAAAAAAAAAAAAAAAAAAAZAAAAAEAAABAAAAAAAAAAAAAAAAAAAAAAAAAAAAAAAAAAAAAAAAAAAAAAAAAAAAAAAAAAAAAAAAAAAAAAAAAAAAAAAAAAAAAAAAAAAAAAAAAAAAAAAAAAAAAAAAAAAAAFAAAADwAAAAAAAAAAAAAAAAAAAkUAAAAAQAAABQAAAAUAAAAFAAAAAEAAAAAAAAAZAAAAGQAAAAAAAAAZAAAAGQAAAAVAAAAYAAAAAAAAAAAAAAADwAAACADAAAAAAAAAAAAAAEAAACgMgAAVgcAAKr4//8BAAAAf39/AAEAAABkAAAAAAAAABQAAABAHwAAAAAAACYAAAAAAAAAwOD//wAAAAAmAAAAZAAAABYAAABMAAAAAAAAAAAAAAAEAAAAAAAAAAEAAACAgIAKAAAAACgAAAAoAAAAZAAAAGQAAAAAAAAAzMzMAAAAAABQAAAAUAAAAGQAAABkAAAAAAAAABcAAAAUAAAAAAAAAAAAAAD/fwAA/38AAAAAAAAJAAAABAAAAIAAAAAMAAAAEAAAAAAAAAAAAAAAAAAAAAAAAAAeAAAAaAAAAAAAAAAAAAAAAAAAAAAAAAAAAAAAECcAABAnAAAAAAAAAAAAAAAAAAAAAAAAAAAAAAAAAAAAAAAAAAAAABQAAAAAAAAAwMD/AAAAAABkAAAAMgAAAAAAAABkAAAAAAAAAH9/fwAKAAAAHwAAAFQAAAAAAAAFAAAAAQAAAAAAAAAAAAAAAAAAAAAAAAAAAAAAAAAAAAAAAAAAAAAAAn9/fwAAAAADzMzMAMDA/wB/f38AAAAAAAAAAAAAAAAAAAAAAAAAAAAhAAAAGAAAABQAAAA4EwAAGycAAAglAABZKQAAEAAAACYAAAAIAAAA//////////8="/>
+                <pr:smNativeData xmlns:pr="smNativeData" val="SMDATA_13_IrKAXRMAAAAlAAAAZAAAAA8BAAAAkAAAAEgAAACQAAAASAAAAAAAAAABAAAAAAAAAAEAAABQAAAAAAAAAAAA4D8AAAAAAADgPwAAAAAAAOA/AAAAAAAA4D8AAAAAAADgPwAAAAAAAOA/AAAAAAAA4D8AAAAAAADgPwAAAAAAAOA/AAAAAAAA4D8CAAAAjAAAAAAAAAAAAAAAu+DjDP///wgAAAAAAAAAAAAAAAAAAAAAAAAAAAAAAAAAAAAAZAAAAAEAAABAAAAAAAAAAAAAAAAAAAAAAAAAAAAAAAAAAAAAAAAAAAAAAAAAAAAAAAAAAAAAAAAAAAAAAAAAAAAAAAAAAAAAAAAAAAAAAAAAAAAAAAAAAAAAAAAAAAAAFAAAADwAAAAAAAAAAAAAAAAAAAkUAAAAAQAAABQAAAAUAAAAFAAAAAEAAAAAAAAAZAAAAGQAAAAAAAAAZAAAAGQAAAAVAAAAYAAAAAAAAAAAAAAADwAAACADAAAAAAAAAAAAAAEAAACgMgAAVgcAAKr4//8BAAAAf39/AAEAAABkAAAAAAAAABQAAABAHwAAAAAAACYAAAAAAAAAwOD//wAAAAAmAAAAZAAAABYAAABMAAAAAAAAAAAAAAAEAAAAAAAAAAEAAACAgIAKAAAAACgAAAAoAAAAZAAAAGQAAAAAAAAAzMzMAAAAAABQAAAAUAAAAGQAAABkAAAAAAAAABcAAAAUAAAAAAAAAAAAAAD/fwAA/38AAAAAAAAJAAAABAAAAIAAAAAMAAAAEAAAAAAAAAAAAAAAAAAAAAAAAAAeAAAAaAAAAAAAAAAAAAAAAAAAAAAAAAAAAAAAECcAABAnAAAAAAAAAAAAAAAAAAAAAAAAAAAAAAAAAAAAAAAAAAAAABQAAAAAAAAAwMD/AAAAAABkAAAAMgAAAAAAAABkAAAAAAAAAH9/fwAKAAAAHwAAAFQAAAAAAAAFAAAAAQAAAAAAAAAAAAAAAAAAAAAAAAAAAAAAAAAAAAAAAAAAAAAAAn9/fwAAAAADzMzMAMDA/wB/f38AAAAAAAAAAAAAAAAAAAAAAAAAAAAhAAAAGAAAABQAAAA4EwAAGycAAAglAABZKQAAEAAAACYAAAAIAAAA//////////8="/>
               </a:ext>
             </a:extLst>
           </p:cNvSpPr>
@@ -3076,7 +3076,7 @@
             <a:spLocks noGrp="1" noChangeArrowheads="1"/>
             <a:extLst>
               <a:ext uri="smNativeData">
-                <pr:smNativeData xmlns:pr="smNativeData" val="SMDATA_13_BbpsXRMAAAAlAAAAZAAAAA8BAAAAkAAAAEgAAACQAAAASAAAAAAAAAABAAAAAAAAAAEAAABQAAAAAAAAAAAA4D8AAAAAAADgPwAAAAAAAOA/AAAAAAAA4D8AAAAAAADgPwAAAAAAAOA/AAAAAAAA4D8AAAAAAADgPwAAAAAAAOA/AAAAAAAA4D8CAAAAjAAAAAAAAAAAAAAAu+DjDP///wgAAAAAAAAAAAAAAAAAAAAAAAAAAAAAAAAAAAAAZAAAAAEAAABAAAAAAAAAAAAAAAAAAAAAAAAAAAAAAAAAAAAAAAAAAAAAAAAAAAAAAAAAAAAAAAAAAAAAAAAAAAAAAAAAAAAAAAAAAAAAAAAAAAAAAAAAAAAAAAAAAAAAFAAAADwAAAAAAAAAAAAAAAAAAAkUAAAAAQAAABQAAAAUAAAAFAAAAAEAAAAAAAAAZAAAAGQAAAAAAAAAZAAAAGQAAAAVAAAAYAAAAAAAAAAAAAAADwAAACADAAAAAAAAAAAAAAEAAACgMgAAVgcAAKr4//8BAAAAf39/AAEAAABkAAAAAAAAABQAAABAHwAAAAAAACYAAAAAAAAAwOD//wAAAAAmAAAAZAAAABYAAABMAAAAAAAAAAAAAAAEAAAAAAAAAAEAAACAgIAKAAAAACgAAAAoAAAAZAAAAGQAAAAAAAAAzMzMAAAAAABQAAAAUAAAAGQAAABkAAAAAAAAABcAAAAUAAAAAAAAAAAAAAD/fwAA/38AAAAAAAAJAAAABAAAADwvYToMAAAAEAAAAAAAAAAAAAAAAAAAAAAAAAAeAAAAaAAAAAAAAAAAAAAAAAAAAAAAAAAAAAAAECcAABAnAAAAAAAAAAAAAAAAAAAAAAAAAAAAAAAAAAAAAAAAAAAAABQAAAAAAAAAwMD/AAAAAABkAAAAMgAAAAAAAABkAAAAAAAAAH9/fwAKAAAAHwAAAFQAAAAAAAAFAAAAAQAAAAAAAAAAAAAAAAAAAAAAAAAAAAAAAAAAAAAAAAAAAAAAAn9/fwAAAAADzMzMAMDA/wB/f38AAAAAAAAAAAAAAAAAAAAAAAAAAAAhAAAAGAAAABQAAABQKAAAGycAAHA1AABZKQAAEAAAACYAAAAIAAAA//////////8="/>
+                <pr:smNativeData xmlns:pr="smNativeData" val="SMDATA_13_IrKAXRMAAAAlAAAAZAAAAA8BAAAAkAAAAEgAAACQAAAASAAAAAAAAAABAAAAAAAAAAEAAABQAAAAAAAAAAAA4D8AAAAAAADgPwAAAAAAAOA/AAAAAAAA4D8AAAAAAADgPwAAAAAAAOA/AAAAAAAA4D8AAAAAAADgPwAAAAAAAOA/AAAAAAAA4D8CAAAAjAAAAAAAAAAAAAAAu+DjDP///wgAAAAAAAAAAAAAAAAAAAAAAAAAAAAAAAAAAAAAZAAAAAEAAABAAAAAAAAAAAAAAAAAAAAAAAAAAAAAAAAAAAAAAAAAAAAAAAAAAAAAAAAAAAAAAAAAAAAAAAAAAAAAAAAAAAAAAAAAAAAAAAAAAAAAAAAAAAAAAAAAAAAAFAAAADwAAAAAAAAAAAAAAAAAAAkUAAAAAQAAABQAAAAUAAAAFAAAAAEAAAAAAAAAZAAAAGQAAAAAAAAAZAAAAGQAAAAVAAAAYAAAAAAAAAAAAAAADwAAACADAAAAAAAAAAAAAAEAAACgMgAAVgcAAKr4//8BAAAAf39/AAEAAABkAAAAAAAAABQAAABAHwAAAAAAACYAAAAAAAAAwOD//wAAAAAmAAAAZAAAABYAAABMAAAAAAAAAAAAAAAEAAAAAAAAAAEAAACAgIAKAAAAACgAAAAoAAAAZAAAAGQAAAAAAAAAzMzMAAAAAABQAAAAUAAAAGQAAABkAAAAAAAAABcAAAAUAAAAAAAAAAAAAAD/fwAA/38AAAAAAAAJAAAABAAAADwvYToMAAAAEAAAAAAAAAAAAAAAAAAAAAAAAAAeAAAAaAAAAAAAAAAAAAAAAAAAAAAAAAAAAAAAECcAABAnAAAAAAAAAAAAAAAAAAAAAAAAAAAAAAAAAAAAAAAAAAAAABQAAAAAAAAAwMD/AAAAAABkAAAAMgAAAAAAAABkAAAAAAAAAH9/fwAKAAAAHwAAAFQAAAAAAAAFAAAAAQAAAAAAAAAAAAAAAAAAAAAAAAAAAAAAAAAAAAAAAAAAAAAAAn9/fwAAAAADzMzMAMDA/wB/f38AAAAAAAAAAAAAAAAAAAAAAAAAAAAhAAAAGAAAABQAAABQKAAAGycAAHA1AABZKQAAEAAAACYAAAAIAAAA//////////8="/>
               </a:ext>
             </a:extLst>
           </p:cNvSpPr>
@@ -3111,7 +3111,7 @@
           </a:lstStyle>
           <a:p>
             <a:pPr/>
-            <a:fld id="{4999BA48-06A4-CC4C-EA21-F019F46F1CA5}" type="slidenum">
+            <a:fld id="{66F879B5-FB8B-AD8F-C540-0DDA370E3358}" type="slidenum">
               <a:t/>
             </a:fld>
           </a:p>
@@ -3797,7 +3797,7 @@
           <p:cNvSpPr>
             <a:extLst>
               <a:ext uri="smNativeData">
-                <pr:smNativeData xmlns:pr="smNativeData" val="SMDATA_13_BbpsXRMAAAAlAAAAZAAAAA8BAAAAkAAAAEgAAACQAAAASAAAAAAAAAAAAAAAAAAAAAEAAABQAAAAAAAAAAAA4D8AAAAAAADgPwAAAAAAAOA/AAAAAAAA4D8AAAAAAADgPwAAAAAAAOA/AAAAAAAA4D8AAAAAAADgPwAAAAAAAOA/AAAAAAAA4D8CAAAAjAAAAAEAAAAAAAAAHh4eAP///wgAAAAAAAAAAAAAAAAAAAAAAAAAAAAAAAAAAAAAZAAAAAEAAABAAAAAAAAAAAAAAAAAAAAAAAAAAAAAAAAAAAAAAAAAAAAAAAAAAAAAAAAAAAAAAAAAAAAAAAAAAAAAAAAAAAAAAAAAAAAAAAAAAAAAAAAAAAAAAAAAAAAAFAAAADwAAAAAAAAAAAAAAAAAAAkAAAAAAQAAAAAAAAAAAAAAAAAAAAAAAAAAAAAAZAAAAGQAAAAAAAAAZAAAAGQAAAAVAAAAYAAAAAAAAAAAAAAADwAAACADAAAAAAAAAAAAAAEAAACgMgAAAAAAAAAAAAABAAAAf39/AAEAAABkAAAAAAAAABQAAABAHwAAAAAAACYAAAAAAAAAwOD//wAAAAAmAAAAZAAAABYAAABMAAAAAAAAAAAAAAAEAAAAAAAAAAEAAACAgIAKAAAAACgAAAAoAAAAZAAAAGQAAAAAAAAAzMzMAAAAAABQAAAAUAAAAGQAAABkAAAAAAAAABcAAAAUAAAAAAAAAAAAAAD/fwAA/38AAAAAAAAJAAAABAAAAGxyIHYMAAAAEAAAAAAAAAAAAAAAAAAAAAAAAAAeAAAAaAAAAAAAAAAAAAAAAAAAAAAAAAAAAAAAECcAABAnAAAAAAAAAAAAAAAAAAAAAAAAAAAAAAAAAAAAAAAAAAAAABQAAAAAAAAAwMD/AAAAAABkAAAAMgAAAAAAAABkAAAAAAAAAH9/fwAKAAAAHwAAAFQAAAAeHh4A////AQAAAAAAAAAAAAAAAAAAAAAAAAAAAAAAAAAAAAAAAAAAAAAAAn9/fwCAgIADzMzMAMDA/wB/f38AAAAAAAAAAAAAAAAAAAAAAAAAAAAhAAAAGAAAABQAAAAAAAAAag4AAEA4AAC9DwAAEAAAACYAAAAIAAAA//////////8="/>
+                <pr:smNativeData xmlns:pr="smNativeData" val="SMDATA_13_IrKAXRMAAAAlAAAAZAAAAA8BAAAAkAAAAEgAAACQAAAASAAAAAAAAAAAAAAAAAAAAAEAAABQAAAAAAAAAAAA4D8AAAAAAADgPwAAAAAAAOA/AAAAAAAA4D8AAAAAAADgPwAAAAAAAOA/AAAAAAAA4D8AAAAAAADgPwAAAAAAAOA/AAAAAAAA4D8CAAAAjAAAAAEAAAAAAAAAHh4eAP///wgAAAAAAAAAAAAAAAAAAAAAAAAAAAAAAAAAAAAAZAAAAAEAAABAAAAAAAAAAAAAAAAAAAAAAAAAAAAAAAAAAAAAAAAAAAAAAAAAAAAAAAAAAAAAAAAAAAAAAAAAAAAAAAAAAAAAAAAAAAAAAAAAAAAAAAAAAAAAAAAAAAAAFAAAADwAAAAAAAAAAAAAAAAAAAkAAAAAAQAAAAAAAAAAAAAAAAAAAAAAAAAAAAAAZAAAAGQAAAAAAAAAZAAAAGQAAAAVAAAAYAAAAAAAAAAAAAAADwAAACADAAAAAAAAAAAAAAEAAACgMgAAAAAAAAAAAAABAAAAf39/AAEAAABkAAAAAAAAABQAAABAHwAAAAAAACYAAAAAAAAAwOD//wAAAAAmAAAAZAAAABYAAABMAAAAAAAAAAAAAAAEAAAAAAAAAAEAAACAgIAKAAAAACgAAAAoAAAAZAAAAGQAAAAAAAAAzMzMAAAAAABQAAAAUAAAAGQAAABkAAAAAAAAABcAAAAUAAAAAAAAAAAAAAD/fwAA/38AAAAAAAAJAAAABAAAAGxyIHYMAAAAEAAAAAAAAAAAAAAAAAAAAAAAAAAeAAAAaAAAAAAAAAAAAAAAAAAAAAAAAAAAAAAAECcAABAnAAAAAAAAAAAAAAAAAAAAAAAAAAAAAAAAAAAAAAAAAAAAABQAAAAAAAAAwMD/AAAAAABkAAAAMgAAAAAAAABkAAAAAAAAAH9/fwAKAAAAHwAAAFQAAAAeHh4A////AQAAAAAAAAAAAAAAAAAAAAAAAAAAAAAAAAAAAAAAAAAAAAAAAn9/fwCAgIADzMzMAMDA/wB/f38AAAAAAAAAAAAAAAAAAAAAAAAAAAAhAAAAGAAAABQAAAAAAAAAag4AAEA4AAC9DwAAEAAAACYAAAAIAAAA//////////8="/>
               </a:ext>
             </a:extLst>
           </p:cNvSpPr>
@@ -3827,7 +3827,7 @@
             <a:spLocks noGrp="1" noChangeArrowheads="1"/>
             <a:extLst>
               <a:ext uri="smNativeData">
-                <pr:smNativeData xmlns:pr="smNativeData" val="SMDATA_13_BbpsXRMAAAAlAAAAZAAAAA8BAAAAkAAAAEgAAACQAAAASAAAAAAAAAABAAAAAAAAAAEAAABQAAAAAAAAAAAA4D8AAAAAAADgPwAAAAAAAOA/AAAAAAAA4D8AAAAAAADgPwAAAAAAAOA/AAAAAAAA4D8AAAAAAADgPwAAAAAAAOA/AAAAAAAA4D8CAAAAjAAAAAAAAAAAAAAAu+DjDP///wgAAAAAAAAAAAAAAAAAAAAAAAAAAAAAAAAAAAAAZAAAAAEAAABAAAAAAAAAAAAAAAAAAAAAAAAAAAAAAAAAAAAAAAAAAAAAAAAAAAAAAAAAAAAAAAAAAAAAAAAAAAAAAAAAAAAAAAAAAAAAAAAAAAAAAAAAAAAAAAAAAAAAFAAAADwAAAAAAAAAAAAAAAAAAAkUAAAAAQAAABQAAAAUAAAAFAAAAAEAAAAAAAAAZAAAAGQAAAAAAAAAZAAAAGQAAAAVAAAAYAAAAAAAAAAAAAAADwAAACADAAAAAAAAAAAAAAEAAACgMgAAVgcAAKr4//8BAAAAf39/AAEAAABkAAAAAAAAABQAAABAHwAAAAAAACYAAAAAAAAAwOD//wAAAAAmAAAAZAAAABYAAABMAAAAAAAAAAAAAAAEAAAAAAAAAAEAAACAgIAKAAAAACgAAAAoAAAAZAAAAGQAAAAAAAAAzMzMAAAAAABQAAAAUAAAAGQAAABkAAAAAAAAABcAAAAUAAAAAAAAAAAAAAD/fwAA/38AAAAAAAAJAAAABAAAAAAAAAAMAAAAEAAAAAAAAAAAAAAAAAAAAAAAAAAeAAAAaAAAAAAAAAAAAAAAAAAAAAAAAAAAAAAAECcAABAnAAAAAAAAAAAAAAAAAAAAAAAAAAAAAAAAAAAAAAAAAAAAABQAAAAAAAAAwMD/AAAAAABkAAAAMgAAAAAAAABkAAAAAAAAAH9/fwAKAAAAHwAAAFQAAAC74OMF////AQAAAAAAAAAAAAAAAAAAAAAAAAAAAAAAAAAAAAAAAAAAAAAAAn9/fwCAgIADzMzMAMDA/wB/f38AAAAAAAAAAAAAAAAAAAAAAAAAAAAhAAAAGAAAABQAAABGBAAAzgcAABY0AAB6CwAAAAAAACYAAAAIAAAAAQAAAAAAAAA="/>
+                <pr:smNativeData xmlns:pr="smNativeData" val="SMDATA_13_IrKAXRMAAAAlAAAAZAAAAA8BAAAAkAAAAEgAAACQAAAASAAAAAAAAAABAAAAAAAAAAEAAABQAAAAAAAAAAAA4D8AAAAAAADgPwAAAAAAAOA/AAAAAAAA4D8AAAAAAADgPwAAAAAAAOA/AAAAAAAA4D8AAAAAAADgPwAAAAAAAOA/AAAAAAAA4D8CAAAAjAAAAAAAAAAAAAAAu+DjDP///wgAAAAAAAAAAAAAAAAAAAAAAAAAAAAAAAAAAAAAZAAAAAEAAABAAAAAAAAAAAAAAAAAAAAAAAAAAAAAAAAAAAAAAAAAAAAAAAAAAAAAAAAAAAAAAAAAAAAAAAAAAAAAAAAAAAAAAAAAAAAAAAAAAAAAAAAAAAAAAAAAAAAAFAAAADwAAAAAAAAAAAAAAAAAAAkUAAAAAQAAABQAAAAUAAAAFAAAAAEAAAAAAAAAZAAAAGQAAAAAAAAAZAAAAGQAAAAVAAAAYAAAAAAAAAAAAAAADwAAACADAAAAAAAAAAAAAAEAAACgMgAAVgcAAKr4//8BAAAAf39/AAEAAABkAAAAAAAAABQAAABAHwAAAAAAACYAAAAAAAAAwOD//wAAAAAmAAAAZAAAABYAAABMAAAAAAAAAAAAAAAEAAAAAAAAAAEAAACAgIAKAAAAACgAAAAoAAAAZAAAAGQAAAAAAAAAzMzMAAAAAABQAAAAUAAAAGQAAABkAAAAAAAAABcAAAAUAAAAAAAAAAAAAAD/fwAA/38AAAAAAAAJAAAABAAAAAAAAAAMAAAAEAAAAAAAAAAAAAAAAAAAAAAAAAAeAAAAaAAAAAAAAAAAAAAAAAAAAAAAAAAAAAAAECcAABAnAAAAAAAAAAAAAAAAAAAAAAAAAAAAAAAAAAAAAAAAAAAAABQAAAAAAAAAwMD/AAAAAABkAAAAMgAAAAAAAABkAAAAAAAAAH9/fwAKAAAAHwAAAFQAAAC74OMF////AQAAAAAAAAAAAAAAAAAAAAAAAAAAAAAAAAAAAAAAAAAAAAAAAn9/fwCAgIADzMzMAMDA/wB/f38AAAAAAAAAAAAAAAAAAAAAAAAAAAAhAAAAGAAAABQAAABGBAAAzgcAABY0AAB6CwAAEAAAACYAAAAIAAAAAQAAAAAAAAA="/>
               </a:ext>
             </a:extLst>
           </p:cNvSpPr>
@@ -3867,7 +3867,7 @@
           <p:cNvSpPr txBox="1">
             <a:extLst>
               <a:ext uri="smNativeData">
-                <pr:smNativeData xmlns:pr="smNativeData" val="SMDATA_13_BbpsXRMAAAAlAAAAEgAAAE8BAAAAkAAAAEgAAACQAAAASAAAAAAAAAAAAAAAAAAAAAEAAABQAAAAAAAAAAAA4D8AAAAAAADgPwAAAAAAAOA/AAAAAAAA4D8AAAAAAADgPwAAAAAAAOA/AAAAAAAA4D8AAAAAAADgPwAAAAAAAOA/AAAAAAAA4D8CAAAAjAAAAAAAAAAAAAAAu+DjDP///wgAAAAAAAAAAAAAAAAAAAAAAAAAAAAAAAAAAAAAZAAAAAEAAABAAAAAAAAAAAAAAAAAAAAAAAAAAAAAAAAAAAAAAAAAAAAAAAAAAAAAAAAAAAAAAAAAAAAAAAAAAAAAAAAAAAAAAAAAAAAAAAAAAAAAAAAAAAAAAAAAAAAAFAAAADwAAAAAAAAAAAAAAAAAAAkUAAAAAQAAABQAAAAUAAAAFAAAAAEAAAAAAAAAZAAAAGQAAAAAAAAAZAAAAGQAAAAVAAAAYAAAAAAAAAAAAAAADwAAACADAAAAAAAAAAAAAAEAAACgMgAAVgcAAKr4//8BAAAAf39/AAEAAABkAAAAAAAAABQAAABAHwAAAAAAACYAAAAAAAAAwOD//wAAAAAmAAAAZAAAABYAAABMAAAAAAAAAAAAAAAEAAAAAAAAAAEAAACAgIAKAAAAACgAAAAoAAAAZAAAAGQAAAAAAAAAzMzMAAAAAABQAAAAUAAAAGQAAABkAAAAAAAAABcAAAAUAAAAAAAAANwIAAD/fwAA/38AAAAAAAAJAAAABAAAAGYFAAAMAAAAEAAAAAAAAAAAAAAAAAAAAAAAAAAeAAAAaAAAAAAAAAAAAAAAAAAAAAAAAAAAAAAAECcAABAnAAAAAAAAAAAAAAAAAAAAAAAAAAAAAAAAAAAAAAAAAAAAABQAAAAAAAAAwMD/AAAAAABkAAAAMgAAAAAAAABkAAAAAAAAAH9/fwAKAAAAHwAAAFQAAAC74OMF////AQAAAAAAAAAAAAAAAAAAAAAAAAAAAAAAAAAAAAAAAAAAAAAAAn9/fwCAgIADzMzMAMDA/wB/f38AAAAAAAAAAAAAAAAAAAAAAAAAAAAhAAAAGAAAABQAAABqBAAAegsAABY0AAC6DQAAECAAACYAAAAIAAAA//////////8="/>
+                <pr:smNativeData xmlns:pr="smNativeData" val="SMDATA_13_IrKAXRMAAAAlAAAAEgAAAE8BAAAAkAAAAEgAAACQAAAASAAAAAAAAAAAAAAAAAAAAAEAAABQAAAAAAAAAAAA4D8AAAAAAADgPwAAAAAAAOA/AAAAAAAA4D8AAAAAAADgPwAAAAAAAOA/AAAAAAAA4D8AAAAAAADgPwAAAAAAAOA/AAAAAAAA4D8CAAAAjAAAAAAAAAAAAAAAu+DjDP///wgAAAAAAAAAAAAAAAAAAAAAAAAAAAAAAAAAAAAAZAAAAAEAAABAAAAAAAAAAAAAAAAAAAAAAAAAAAAAAAAAAAAAAAAAAAAAAAAAAAAAAAAAAAAAAAAAAAAAAAAAAAAAAAAAAAAAAAAAAAAAAAAAAAAAAAAAAAAAAAAAAAAAFAAAADwAAAAAAAAAAAAAAAAAAAkUAAAAAQAAABQAAAAUAAAAFAAAAAEAAAAAAAAAZAAAAGQAAAAAAAAAZAAAAGQAAAAVAAAAYAAAAAAAAAAAAAAADwAAACADAAAAAAAAAAAAAAEAAACgMgAAVgcAAKr4//8BAAAAf39/AAEAAABkAAAAAAAAABQAAABAHwAAAAAAACYAAAAAAAAAwOD//wAAAAAmAAAAZAAAABYAAABMAAAAAAAAAAAAAAAEAAAAAAAAAAEAAACAgIAKAAAAACgAAAAoAAAAZAAAAGQAAAAAAAAAzMzMAAAAAABQAAAAUAAAAGQAAABkAAAAAAAAABcAAAAUAAAAAAAAANwIAAD/fwAA/38AAAAAAAAJAAAABAAAAGYFAAAMAAAAEAAAAAAAAAAAAAAAAAAAAAAAAAAeAAAAaAAAAAAAAAAAAAAAAAAAAAAAAAAAAAAAECcAABAnAAAAAAAAAAAAAAAAAAAAAAAAAAAAAAAAAAAAAAAAAAAAABQAAAAAAAAAwMD/AAAAAABkAAAAMgAAAAAAAABkAAAAAAAAAH9/fwAKAAAAHwAAAFQAAAC74OMF////AQAAAAAAAAAAAAAAAAAAAAAAAAAAAAAAAAAAAAAAAAAAAAAAAn9/fwCAgIADzMzMAMDA/wB/f38AAAAAAAAAAAAAAAAAAAAAAAAAAAAhAAAAGAAAABQAAABqBAAAegsAABY0AAC6DQAAECAAACYAAAAIAAAA//////////8="/>
               </a:ext>
             </a:extLst>
           </p:cNvSpPr>
@@ -3913,7 +3913,7 @@
           <p:cNvSpPr>
             <a:extLst>
               <a:ext uri="smNativeData">
-                <pr:smNativeData xmlns:pr="smNativeData" val="SMDATA_13_BbpsXRMAAAAlAAAAZAAAAA8BAAAAkAAAAEgAAACQAAAASAAAAAAAAAAAAAAAAAAAAAEAAABQAAAAAAAAAAAA4D8AAAAAAADgPwAAAAAAAOA/AAAAAAAA4D8AAAAAAADgPwAAAAAAAOA/AAAAAAAA4D8AAAAAAADgPwAAAAAAAOA/AAAAAAAA4D8CAAAAjAAAAAEAAAAAAAAAHh4eAP///wgAAAAAAAAAAAAAAAAAAAAAAAAAAAAAAAAAAAAAZAAAAAEAAABAAAAAAAAAAAAAAAAAAAAAAAAAAAAAAAAAAAAAAAAAAAAAAAAAAAAAAAAAAAAAAAAAAAAAAAAAAAAAAAAAAAAAAAAAAAAAAAAAAAAAAAAAAAAAAAAAAAAAFAAAADwAAAAAAAAAAAAAAAAAAAkAAAAAAQAAAAAAAAAAAAAAAAAAAAAAAAAAAAAAZAAAAGQAAAAAAAAAZAAAAGQAAAAVAAAAYAAAAAAAAAAAAAAADwAAACADAAAAAAAAAAAAAAEAAACgMgAAAAAAAAAAAAABAAAAf39/AAEAAABkAAAAAAAAABQAAABAHwAAAAAAACYAAAAAAAAAwOD//wAAAAAmAAAAZAAAABYAAABMAAAAAAAAAAAAAAAEAAAAAAAAAAEAAACAgIAKAAAAACgAAAAoAAAAZAAAAGQAAAAAAAAAzMzMAAAAAABQAAAAUAAAAGQAAABkAAAAAAAAABcAAAAUAAAAAAAAAAAAAAD/fwAA/38AAAAAAAAJAAAABAAAAAIA/f8MAAAAEAAAAAAAAAAAAAAAAAAAAAAAAAAeAAAAaAAAAAAAAAAAAAAAAAAAAAAAAAAAAAAAECcAABAnAAAAAAAAAAAAAAAAAAAAAAAAAAAAAAAAAAAAAAAAAAAAABQAAAAAAAAAwMD/AAAAAABkAAAAMgAAAAAAAABkAAAAAAAAAH9/fwAKAAAAHwAAAFQAAAAeHh4A////AQAAAAAAAAAAAAAAAAAAAAAAAAAAAAAAAAAAAAAAAAAAAAAAAn9/fwCAgIADzMzMAMDA/wB/f38AAAAAAAAAAAAAAAAAAAAAAAAAAAAhAAAAGAAAABQAAAAAAAAA2wQAAEA4AAAuBgAAEAAAACYAAAAIAAAA//////////8="/>
+                <pr:smNativeData xmlns:pr="smNativeData" val="SMDATA_13_IrKAXRMAAAAlAAAAZAAAAA8BAAAAkAAAAEgAAACQAAAASAAAAAAAAAAAAAAAAAAAAAEAAABQAAAAAAAAAAAA4D8AAAAAAADgPwAAAAAAAOA/AAAAAAAA4D8AAAAAAADgPwAAAAAAAOA/AAAAAAAA4D8AAAAAAADgPwAAAAAAAOA/AAAAAAAA4D8CAAAAjAAAAAEAAAAAAAAAHh4eAP///wgAAAAAAAAAAAAAAAAAAAAAAAAAAAAAAAAAAAAAZAAAAAEAAABAAAAAAAAAAAAAAAAAAAAAAAAAAAAAAAAAAAAAAAAAAAAAAAAAAAAAAAAAAAAAAAAAAAAAAAAAAAAAAAAAAAAAAAAAAAAAAAAAAAAAAAAAAAAAAAAAAAAAFAAAADwAAAAAAAAAAAAAAAAAAAkAAAAAAQAAAAAAAAAAAAAAAAAAAAAAAAAAAAAAZAAAAGQAAAAAAAAAZAAAAGQAAAAVAAAAYAAAAAAAAAAAAAAADwAAACADAAAAAAAAAAAAAAEAAACgMgAAAAAAAAAAAAABAAAAf39/AAEAAABkAAAAAAAAABQAAABAHwAAAAAAACYAAAAAAAAAwOD//wAAAAAmAAAAZAAAABYAAABMAAAAAAAAAAAAAAAEAAAAAAAAAAEAAACAgIAKAAAAACgAAAAoAAAAZAAAAGQAAAAAAAAAzMzMAAAAAABQAAAAUAAAAGQAAABkAAAAAAAAABcAAAAUAAAAAAAAAAAAAAD/fwAA/38AAAAAAAAJAAAABAAAAAIA/f8MAAAAEAAAAAAAAAAAAAAAAAAAAAAAAAAeAAAAaAAAAAAAAAAAAAAAAAAAAAAAAAAAAAAAECcAABAnAAAAAAAAAAAAAAAAAAAAAAAAAAAAAAAAAAAAAAAAAAAAABQAAAAAAAAAwMD/AAAAAABkAAAAMgAAAAAAAABkAAAAAAAAAH9/fwAKAAAAHwAAAFQAAAAeHh4A////AQAAAAAAAAAAAAAAAAAAAAAAAAAAAAAAAAAAAAAAAAAAAAAAAn9/fwCAgIADzMzMAMDA/wB/f38AAAAAAAAAAAAAAAAAAAAAAAAAAAAhAAAAGAAAABQAAAAAAAAA2wQAAEA4AAAuBgAAEAAAACYAAAAIAAAA//////////8="/>
               </a:ext>
             </a:extLst>
           </p:cNvSpPr>
@@ -3982,7 +3982,7 @@
           <p:cNvSpPr>
             <a:extLst>
               <a:ext uri="smNativeData">
-                <pr:smNativeData xmlns:pr="smNativeData" val="SMDATA_13_BbpsXRMAAAAlAAAAZAAAAA8BAAAAkAAAAEgAAACQAAAASAAAAAAAAAABAAAAAAAAAAEAAABQAAAAAAAAAAAA4D8AAAAAAADgPwAAAAAAAOA/AAAAAAAA4D8AAAAAAADgPwAAAAAAAOA/AAAAAAAA4D8AAAAAAADgPwAAAAAAAOA/AAAAAAAA4D8CAAAAjAAAAAAAAAAAAAAAu+DjDP///wgAAAAAAAAAAAAAAAAAAAAAAAAAAAAAAAAAAAAAZAAAAAEAAABAAAAAAAAAAAAAAAAAAAAAAAAAAAAAAAAAAAAAAAAAAAAAAAAAAAAAAAAAAAAAAAAAAAAAAAAAAAAAAAAAAAAAAAAAAAAAAAAAAAAAAAAAAAAAAAAAAAAAFAAAADwAAAAAAAAAAAAAAAAAAAkUAAAAAQAAABQAAAAUAAAAFAAAAAEAAAAAAAAAZAAAAGQAAAAAAAAAZAAAAGQAAAAVAAAAYAAAAAAAAAAAAAAADwAAACADAAAAAAAAAAAAAAEAAACgMgAAVgcAAKr4//8BAAAAf39/AAEAAABkAAAAAAAAABQAAABAHwAAAAAAACYAAAAAAAAAwOD//wAAAAAmAAAAZAAAABYAAABMAAAAAAAAAAAAAAAEAAAAAAAAAAEAAACAgIAKAAAAACgAAAAoAAAAZAAAAGQAAAAAAAAAzMzMAAAAAABQAAAAUAAAAGQAAABkAAAAAAAAABcAAAAUAAAAAAAAAAAAAAD/fwAA/38AAAAAAAAJAAAABAAAAAEAAAAMAAAAEAAAAAAAAAAAAAAAAAAAAAAAAAAeAAAAaAAAAAAAAAAAAAAAAAAAAAAAAAAAAAAAECcAABAnAAAAAAAAAAAAAAAAAAAAAAAAAAAAAAAAAAAAAAAAAAAAABQAAAAAAAAAwMD/AAAAAABkAAAAMgAAAAAAAABkAAAAAAAAAH9/fwAKAAAAHwAAAFQAAAC74OMF////AQAAAAAAAAAAAAAAAAAAAAAAAAAAAAAAAAAAAAAAAAAAAAAAAn9/fwCAgIADzMzMAMDA/wB/f38AAAAAAAAAAAAAAAAAAAAAAAAAAAAhAAAAGAAAABQAAABqBAAAiAMAABY0AAAoBwAAEAAAACYAAAAIAAAA//////////8="/>
+                <pr:smNativeData xmlns:pr="smNativeData" val="SMDATA_13_IrKAXRMAAAAlAAAAZAAAAA8BAAAAkAAAAEgAAACQAAAASAAAAAAAAAABAAAAAAAAAAEAAABQAAAAAAAAAAAA4D8AAAAAAADgPwAAAAAAAOA/AAAAAAAA4D8AAAAAAADgPwAAAAAAAOA/AAAAAAAA4D8AAAAAAADgPwAAAAAAAOA/AAAAAAAA4D8CAAAAjAAAAAAAAAAAAAAAu+DjDP///wgAAAAAAAAAAAAAAAAAAAAAAAAAAAAAAAAAAAAAZAAAAAEAAABAAAAAAAAAAAAAAAAAAAAAAAAAAAAAAAAAAAAAAAAAAAAAAAAAAAAAAAAAAAAAAAAAAAAAAAAAAAAAAAAAAAAAAAAAAAAAAAAAAAAAAAAAAAAAAAAAAAAAFAAAADwAAAAAAAAAAAAAAAAAAAkUAAAAAQAAABQAAAAUAAAAFAAAAAEAAAAAAAAAZAAAAGQAAAAAAAAAZAAAAGQAAAAVAAAAYAAAAAAAAAAAAAAADwAAACADAAAAAAAAAAAAAAEAAACgMgAAVgcAAKr4//8BAAAAf39/AAEAAABkAAAAAAAAABQAAABAHwAAAAAAACYAAAAAAAAAwOD//wAAAAAmAAAAZAAAABYAAABMAAAAAAAAAAAAAAAEAAAAAAAAAAEAAACAgIAKAAAAACgAAAAoAAAAZAAAAGQAAAAAAAAAzMzMAAAAAABQAAAAUAAAAGQAAABkAAAAAAAAABcAAAAUAAAAAAAAAAAAAAD/fwAA/38AAAAAAAAJAAAABAAAAAEAAAAMAAAAEAAAAAAAAAAAAAAAAAAAAAAAAAAeAAAAaAAAAAAAAAAAAAAAAAAAAAAAAAAAAAAAECcAABAnAAAAAAAAAAAAAAAAAAAAAAAAAAAAAAAAAAAAAAAAAAAAABQAAAAAAAAAwMD/AAAAAABkAAAAMgAAAAAAAABkAAAAAAAAAH9/fwAKAAAAHwAAAFQAAAC74OMF////AQAAAAAAAAAAAAAAAAAAAAAAAAAAAAAAAAAAAAAAAAAAAAAAAn9/fwCAgIADzMzMAMDA/wB/f38AAAAAAAAAAAAAAAAAAAAAAAAAAAAhAAAAGAAAABQAAABqBAAAiAMAABY0AAAoBwAAEAAAACYAAAAIAAAA//////////8="/>
               </a:ext>
             </a:extLst>
           </p:cNvSpPr>
@@ -4028,7 +4028,7 @@
           <p:cNvSpPr txBox="1">
             <a:extLst>
               <a:ext uri="smNativeData">
-                <pr:smNativeData xmlns:pr="smNativeData" val="SMDATA_13_BbpsXRMAAAAlAAAAEgAAAE8BAAAAkAAAAEgAAACQAAAASAAAAAAAAAAAAAAAAAAAAAEAAABQAAAAAAAAAAAA4D8AAAAAAADgPwAAAAAAAOA/AAAAAAAA4D8AAAAAAADgPwAAAAAAAOA/AAAAAAAA4D8AAAAAAADgPwAAAAAAAOA/AAAAAAAA4D8CAAAAjAAAAAAAAAAAAAAAu+DjDP///wgAAAAAAAAAAAAAAAAAAAAAAAAAAAAAAAAAAAAAZAAAAAEAAABAAAAAAAAAAAAAAAAAAAAAAAAAAAAAAAAAAAAAAAAAAAAAAAAAAAAAAAAAAAAAAAAAAAAAAAAAAAAAAAAAAAAAAAAAAAAAAAAAAAAAAAAAAAAAAAAAAAAAFAAAADwAAAAAAAAAAAAAAAAAAAkUAAAAAQAAABQAAAAUAAAAFAAAAAEAAAAAAAAAZAAAAGQAAAAAAAAAZAAAAGQAAAAVAAAAYAAAAAAAAAAAAAAADwAAACADAAAAAAAAAAAAAAEAAACgMgAAVgcAAKr4//8BAAAAf39/AAEAAABkAAAAAAAAABQAAABAHwAAAAAAACYAAAAAAAAAwOD//wAAAAAmAAAAZAAAABYAAABMAAAAAAAAAAAAAAAEAAAAAAAAAAEAAACAgIAKAAAAACgAAAAoAAAAZAAAAGQAAAAAAAAAzMzMAAAAAABQAAAAUAAAAGQAAABkAAAAAAAAABcAAAAUAAAAAAAAANwIAAD/fwAA/38AAAAAAAAJAAAABAAAAAAAAAAMAAAAEAAAAAAAAAAAAAAAAAAAAAAAAAAeAAAAaAAAAAAAAAAAAAAAAAAAAAAAAAAAAAAAECcAABAnAAAAAAAAAAAAAAAAAAAAAAAAAAAAAAAAAAAAAAAAAAAAABQAAAAAAAAAwMD/AAAAAABkAAAAMgAAAAAAAABkAAAAAAAAAH9/fwAKAAAAHwAAAFQAAAC74OMF////AQAAAAAAAAAAAAAAAAAAAAAAAAAAAAAAAAAAAAAAAAAAAAAAAn9/fwCAgIADzMzMAMDA/wB/f38AAAAAAAAAAAAAAAAAAAAAAAAAAAAhAAAAGAAAABQAAADfBgAAtg4AALsPAACmEgAAECAAACYAAAAIAAAA//////////8="/>
+                <pr:smNativeData xmlns:pr="smNativeData" val="SMDATA_13_IrKAXRMAAAAlAAAAEgAAAE8BAAAAkAAAAEgAAACQAAAASAAAAAAAAAAAAAAAAAAAAAEAAABQAAAAAAAAAAAA4D8AAAAAAADgPwAAAAAAAOA/AAAAAAAA4D8AAAAAAADgPwAAAAAAAOA/AAAAAAAA4D8AAAAAAADgPwAAAAAAAOA/AAAAAAAA4D8CAAAAjAAAAAAAAAAAAAAAu+DjDP///wgAAAAAAAAAAAAAAAAAAAAAAAAAAAAAAAAAAAAAZAAAAAEAAABAAAAAAAAAAAAAAAAAAAAAAAAAAAAAAAAAAAAAAAAAAAAAAAAAAAAAAAAAAAAAAAAAAAAAAAAAAAAAAAAAAAAAAAAAAAAAAAAAAAAAAAAAAAAAAAAAAAAAFAAAADwAAAAAAAAAAAAAAAAAAAkUAAAAAQAAABQAAAAUAAAAFAAAAAEAAAAAAAAAZAAAAGQAAAAAAAAAZAAAAGQAAAAVAAAAYAAAAAAAAAAAAAAADwAAACADAAAAAAAAAAAAAAEAAACgMgAAVgcAAKr4//8BAAAAf39/AAEAAABkAAAAAAAAABQAAABAHwAAAAAAACYAAAAAAAAAwOD//wAAAAAmAAAAZAAAABYAAABMAAAAAAAAAAAAAAAEAAAAAAAAAAEAAACAgIAKAAAAACgAAAAoAAAAZAAAAGQAAAAAAAAAzMzMAAAAAABQAAAAUAAAAGQAAABkAAAAAAAAABcAAAAUAAAAAAAAANwIAAD/fwAA/38AAAAAAAAJAAAABAAAAAAAAAAMAAAAEAAAAAAAAAAAAAAAAAAAAAAAAAAeAAAAaAAAAAAAAAAAAAAAAAAAAAAAAAAAAAAAECcAABAnAAAAAAAAAAAAAAAAAAAAAAAAAAAAAAAAAAAAAAAAAAAAABQAAAAAAAAAwMD/AAAAAABkAAAAMgAAAAAAAABkAAAAAAAAAH9/fwAKAAAAHwAAAFQAAAC74OMF////AQAAAAAAAAAAAAAAAAAAAAAAAAAAAAAAAAAAAAAAAAAAAAAAAn9/fwCAgIADzMzMAMDA/wB/f38AAAAAAAAAAAAAAAAAAAAAAAAAAAAhAAAAGAAAABQAAADfBgAAtg4AALsPAACmEgAAECAAACYAAAAIAAAA//////////8="/>
               </a:ext>
             </a:extLst>
           </p:cNvSpPr>
@@ -4074,7 +4074,7 @@
           <p:cNvSpPr txBox="1">
             <a:extLst>
               <a:ext uri="smNativeData">
-                <pr:smNativeData xmlns:pr="smNativeData" val="SMDATA_13_BbpsXRMAAAAlAAAAEgAAAE8BAAAAkAAAAEgAAACQAAAASAAAAAAAAAAAAAAAAAAAAAEAAABQAAAAAAAAAAAA4D8AAAAAAADgPwAAAAAAAOA/AAAAAAAA4D8AAAAAAADgPwAAAAAAAOA/AAAAAAAA4D8AAAAAAADgPwAAAAAAAOA/AAAAAAAA4D8CAAAAjAAAAAAAAAAAAAAAu+DjDP///wgAAAAAAAAAAAAAAAAAAAAAAAAAAAAAAAAAAAAAZAAAAAEAAABAAAAAAAAAAAAAAAAAAAAAAAAAAAAAAAAAAAAAAAAAAAAAAAAAAAAAAAAAAAAAAAAAAAAAAAAAAAAAAAAAAAAAAAAAAAAAAAAAAAAAAAAAAAAAAAAAAAAAFAAAADwAAAAAAAAAAAAAAAAAAAkUAAAAAQAAABQAAAAUAAAAFAAAAAEAAAAAAAAAZAAAAGQAAAAAAAAAZAAAAGQAAAAVAAAAYAAAAAAAAAAAAAAADwAAACADAAAAAAAAAAAAAAEAAACgMgAAVgcAAKr4//8BAAAAf39/AAEAAABkAAAAAAAAABQAAABAHwAAAAAAACYAAAAAAAAAwOD//wAAAAAmAAAAZAAAABYAAABMAAAAAAAAAAAAAAAEAAAAAAAAAAEAAACAgIAKAAAAACgAAAAoAAAAZAAAAGQAAAAAAAAAzMzMAAAAAABQAAAAUAAAAGQAAABkAAAAAAAAABcAAAAUAAAAAAAAANwIAAD/fwAA/38AAAAAAAAJAAAABAAAAAAAAAAMAAAAEAAAAAAAAAAAAAAAAAAAAAAAAAAeAAAAaAAAAAAAAAAAAAAAAAAAAAAAAAAAAAAAECcAABAnAAAAAAAAAAAAAAAAAAAAAAAAAAAAAAAAAAAAAAAAAAAAABQAAAAAAAAAwMD/AAAAAABkAAAAMgAAAAAAAABkAAAAAAAAAH9/fwAKAAAAHwAAAFQAAAC74OMF////AQAAAAAAAAAAAAAAAAAAAAAAAAAAAAAAAAAAAAAAAAAAAAAAAn9/fwCAgIADzMzMAMDA/wB/f38AAAAAAAAAAAAAAAAAAAAAAAAAAAAhAAAAGAAAABQAAABcFAAAohIAADgdAADSGAAAECAAACYAAAAIAAAA//////////8="/>
+                <pr:smNativeData xmlns:pr="smNativeData" val="SMDATA_13_IrKAXRMAAAAlAAAAEgAAAE8BAAAAkAAAAEgAAACQAAAASAAAAAAAAAAAAAAAAAAAAAEAAABQAAAAAAAAAAAA4D8AAAAAAADgPwAAAAAAAOA/AAAAAAAA4D8AAAAAAADgPwAAAAAAAOA/AAAAAAAA4D8AAAAAAADgPwAAAAAAAOA/AAAAAAAA4D8CAAAAjAAAAAAAAAAAAAAAu+DjDP///wgAAAAAAAAAAAAAAAAAAAAAAAAAAAAAAAAAAAAAZAAAAAEAAABAAAAAAAAAAAAAAAAAAAAAAAAAAAAAAAAAAAAAAAAAAAAAAAAAAAAAAAAAAAAAAAAAAAAAAAAAAAAAAAAAAAAAAAAAAAAAAAAAAAAAAAAAAAAAAAAAAAAAFAAAADwAAAAAAAAAAAAAAAAAAAkUAAAAAQAAABQAAAAUAAAAFAAAAAEAAAAAAAAAZAAAAGQAAAAAAAAAZAAAAGQAAAAVAAAAYAAAAAAAAAAAAAAADwAAACADAAAAAAAAAAAAAAEAAACgMgAAVgcAAKr4//8BAAAAf39/AAEAAABkAAAAAAAAABQAAABAHwAAAAAAACYAAAAAAAAAwOD//wAAAAAmAAAAZAAAABYAAABMAAAAAAAAAAAAAAAEAAAAAAAAAAEAAACAgIAKAAAAACgAAAAoAAAAZAAAAGQAAAAAAAAAzMzMAAAAAABQAAAAUAAAAGQAAABkAAAAAAAAABcAAAAUAAAAAAAAANwIAAD/fwAA/38AAAAAAAAJAAAABAAAAAAAAAAMAAAAEAAAAAAAAAAAAAAAAAAAAAAAAAAeAAAAaAAAAAAAAAAAAAAAAAAAAAAAAAAAAAAAECcAABAnAAAAAAAAAAAAAAAAAAAAAAAAAAAAAAAAAAAAAAAAAAAAABQAAAAAAAAAwMD/AAAAAABkAAAAMgAAAAAAAABkAAAAAAAAAH9/fwAKAAAAHwAAAFQAAAC74OMF////AQAAAAAAAAAAAAAAAAAAAAAAAAAAAAAAAAAAAAAAAAAAAAAAAn9/fwCAgIADzMzMAMDA/wB/f38AAAAAAAAAAAAAAAAAAAAAAAAAAAAhAAAAGAAAABQAAABcFAAAohIAADgdAADSGAAAECAAACYAAAAIAAAA//////////8="/>
               </a:ext>
             </a:extLst>
           </p:cNvSpPr>
@@ -4129,7 +4129,7 @@
           <p:cNvSpPr txBox="1">
             <a:extLst>
               <a:ext uri="smNativeData">
-                <pr:smNativeData xmlns:pr="smNativeData" val="SMDATA_13_BbpsXRMAAAAlAAAAEgAAAA8BAAAAkAAAAEgAAACQAAAASAAAAAAAAAAAAAAAAAAAAAEAAABQAAAAAAAAAAAA4D8AAAAAAADgPwAAAAAAAOA/AAAAAAAA4D8AAAAAAADgPwAAAAAAAOA/AAAAAAAA4D8AAAAAAADgPwAAAAAAAOA/AAAAAAAA4D8CAAAAjAAAAAAAAAAAAAAAu+DjDP///wgAAAAAAAAAAAAAAAAAAAAAAAAAAAAAAAAAAAAAZAAAAAEAAABAAAAAAAAAAAAAAAAAAAAAAAAAAAAAAAAAAAAAAAAAAAAAAAAAAAAAAAAAAAAAAAAAAAAAAAAAAAAAAAAAAAAAAAAAAAAAAAAAAAAAAAAAAAAAAAAAAAAAFAAAADwAAAAAAAAAAAAAAAAAAAkUAAAAAQAAABQAAAAUAAAAFAAAAAEAAAAAAAAAZAAAAGQAAAAAAAAAZAAAAGQAAAAVAAAAYAAAAAAAAAAAAAAADwAAACADAAAAAAAAAAAAAAEAAACgMgAAVgcAAKr4//8BAAAAf39/AAEAAABkAAAAAAAAABQAAABAHwAAAAAAACYAAAAAAAAAwOD//wAAAAAmAAAAZAAAABYAAABMAAAAAAAAAAAAAAAEAAAAAAAAAAEAAACAgIAKAAAAACgAAAAoAAAAZAAAAGQAAAAAAAAAzMzMAAAAAABQAAAAUAAAAGQAAABkAAAAAAAAABcAAAAUAAAAAAAAANwIAAD/fwAA/38AAAAAAAAJAAAABAAAAAAAAAAMAAAAEAAAAAAAAAAAAAAAAAAAAAAAAAAeAAAAaAAAAAAAAAAAAAAAAAAAAAAAAAAAAAAAECcAABAnAAAAAAAAAAAAAAAAAAAAAAAAAAAAAAAAAAAAAAAAAAAAABQAAAAAAAAAwMD/AAAAAABkAAAAMgAAAAAAAABkAAAAAAAAAH9/fwAKAAAAHwAAAFQAAAC74OMF////AQAAAAAAAAAAAAAAAAAAAAAAAAAAAAAAAAAAAAAAAAAAAAAAAn9/fwCAgIADzMzMAMDA/wB/f38AAAAAAAAAAAAAAAAAAAAAAAAAAAAhAAAAGAAAABQAAAD7HwAArxIAANcoAACKFwAAEAAAACYAAAAIAAAA//////////8="/>
+                <pr:smNativeData xmlns:pr="smNativeData" val="SMDATA_13_IrKAXRMAAAAlAAAAEgAAAA8BAAAAkAAAAEgAAACQAAAASAAAAAAAAAAAAAAAAAAAAAEAAABQAAAAAAAAAAAA4D8AAAAAAADgPwAAAAAAAOA/AAAAAAAA4D8AAAAAAADgPwAAAAAAAOA/AAAAAAAA4D8AAAAAAADgPwAAAAAAAOA/AAAAAAAA4D8CAAAAjAAAAAAAAAAAAAAAu+DjDP///wgAAAAAAAAAAAAAAAAAAAAAAAAAAAAAAAAAAAAAZAAAAAEAAABAAAAAAAAAAAAAAAAAAAAAAAAAAAAAAAAAAAAAAAAAAAAAAAAAAAAAAAAAAAAAAAAAAAAAAAAAAAAAAAAAAAAAAAAAAAAAAAAAAAAAAAAAAAAAAAAAAAAAFAAAADwAAAAAAAAAAAAAAAAAAAkUAAAAAQAAABQAAAAUAAAAFAAAAAEAAAAAAAAAZAAAAGQAAAAAAAAAZAAAAGQAAAAVAAAAYAAAAAAAAAAAAAAADwAAACADAAAAAAAAAAAAAAEAAACgMgAAVgcAAKr4//8BAAAAf39/AAEAAABkAAAAAAAAABQAAABAHwAAAAAAACYAAAAAAAAAwOD//wAAAAAmAAAAZAAAABYAAABMAAAAAAAAAAAAAAAEAAAAAAAAAAEAAACAgIAKAAAAACgAAAAoAAAAZAAAAGQAAAAAAAAAzMzMAAAAAABQAAAAUAAAAGQAAABkAAAAAAAAABcAAAAUAAAAAAAAANwIAAD/fwAA/38AAAAAAAAJAAAABAAAAAAAAAAMAAAAEAAAAAAAAAAAAAAAAAAAAAAAAAAeAAAAaAAAAAAAAAAAAAAAAAAAAAAAAAAAAAAAECcAABAnAAAAAAAAAAAAAAAAAAAAAAAAAAAAAAAAAAAAAAAAAAAAABQAAAAAAAAAwMD/AAAAAABkAAAAMgAAAAAAAABkAAAAAAAAAH9/fwAKAAAAHwAAAFQAAAC74OMF////AQAAAAAAAAAAAAAAAAAAAAAAAAAAAAAAAAAAAAAAAAAAAAAAAn9/fwCAgIADzMzMAMDA/wB/f38AAAAAAAAAAAAAAAAAAAAAAAAAAAAhAAAAGAAAABQAAAD7HwAArxIAANcoAACKFwAAEAAAACYAAAAIAAAA//////////8="/>
               </a:ext>
             </a:extLst>
           </p:cNvSpPr>
@@ -4184,7 +4184,7 @@
           <p:cNvSpPr txBox="1">
             <a:extLst>
               <a:ext uri="smNativeData">
-                <pr:smNativeData xmlns:pr="smNativeData" val="SMDATA_13_BbpsXRMAAAAlAAAAEgAAAA8BAAAAkAAAAEgAAACQAAAASAAAAAAAAAAAAAAAAAAAAAEAAABQAAAAAAAAAAAA4D8AAAAAAADgPwAAAAAAAOA/AAAAAAAA4D8AAAAAAADgPwAAAAAAAOA/AAAAAAAA4D8AAAAAAADgPwAAAAAAAOA/AAAAAAAA4D8CAAAAjAAAAAAAAAAAAAAAu+DjDP///wgAAAAAAAAAAAAAAAAAAAAAAAAAAAAAAAAAAAAAZAAAAAEAAABAAAAAAAAAAAAAAAAAAAAAAAAAAAAAAAAAAAAAAAAAAAAAAAAAAAAAAAAAAAAAAAAAAAAAAAAAAAAAAAAAAAAAAAAAAAAAAAAAAAAAAAAAAAAAAAAAAAAAFAAAADwAAAAAAAAAAAAAAAAAAAkUAAAAAQAAABQAAAAUAAAAFAAAAAEAAAAAAAAAZAAAAGQAAAAAAAAAZAAAAGQAAAAVAAAAYAAAAAAAAAAAAAAADwAAACADAAAAAAAAAAAAAAEAAACgMgAAVgcAAKr4//8BAAAAf39/AAEAAABkAAAAAAAAABQAAABAHwAAAAAAACYAAAAAAAAAwOD//wAAAAAmAAAAZAAAABYAAABMAAAAAAAAAAAAAAAEAAAAAAAAAAEAAACAgIAKAAAAACgAAAAoAAAAZAAAAGQAAAAAAAAAzMzMAAAAAABQAAAAUAAAAGQAAABkAAAAAAAAABcAAAAUAAAAAAAAANwIAAD/fwAA/38AAAAAAAAJAAAABAAAAAAAAAAMAAAAEAAAAAAAAAAAAAAAAAAAAAAAAAAeAAAAaAAAAAAAAAAAAAAAAAAAAAAAAAAAAAAAECcAABAnAAAAAAAAAAAAAAAAAAAAAAAAAAAAAAAAAAAAAAAAAAAAABQAAAAAAAAAwMD/AAAAAABkAAAAMgAAAAAAAABkAAAAAAAAAH9/fwAKAAAAHwAAAFQAAAC74OMF////AQAAAAAAAAAAAAAAAAAAAAAAAAAAAAAAAAAAAAAAAAAAAAAAAn9/fwCAgIADzMzMAMDA/wB/f38AAAAAAAAAAAAAAAAAAAAAAAAAAAAhAAAAGAAAABQAAADRKgAA1w4AABY0AACYFAAAEAAAACYAAAAIAAAA//////////8="/>
+                <pr:smNativeData xmlns:pr="smNativeData" val="SMDATA_13_IrKAXRMAAAAlAAAAEgAAAA8BAAAAkAAAAEgAAACQAAAASAAAAAAAAAAAAAAAAAAAAAEAAABQAAAAAAAAAAAA4D8AAAAAAADgPwAAAAAAAOA/AAAAAAAA4D8AAAAAAADgPwAAAAAAAOA/AAAAAAAA4D8AAAAAAADgPwAAAAAAAOA/AAAAAAAA4D8CAAAAjAAAAAAAAAAAAAAAu+DjDP///wgAAAAAAAAAAAAAAAAAAAAAAAAAAAAAAAAAAAAAZAAAAAEAAABAAAAAAAAAAAAAAAAAAAAAAAAAAAAAAAAAAAAAAAAAAAAAAAAAAAAAAAAAAAAAAAAAAAAAAAAAAAAAAAAAAAAAAAAAAAAAAAAAAAAAAAAAAAAAAAAAAAAAFAAAADwAAAAAAAAAAAAAAAAAAAkUAAAAAQAAABQAAAAUAAAAFAAAAAEAAAAAAAAAZAAAAGQAAAAAAAAAZAAAAGQAAAAVAAAAYAAAAAAAAAAAAAAADwAAACADAAAAAAAAAAAAAAEAAACgMgAAVgcAAKr4//8BAAAAf39/AAEAAABkAAAAAAAAABQAAABAHwAAAAAAACYAAAAAAAAAwOD//wAAAAAmAAAAZAAAABYAAABMAAAAAAAAAAAAAAAEAAAAAAAAAAEAAACAgIAKAAAAACgAAAAoAAAAZAAAAGQAAAAAAAAAzMzMAAAAAABQAAAAUAAAAGQAAABkAAAAAAAAABcAAAAUAAAAAAAAANwIAAD/fwAA/38AAAAAAAAJAAAABAAAAAAAAAAMAAAAEAAAAAAAAAAAAAAAAAAAAAAAAAAeAAAAaAAAAAAAAAAAAAAAAAAAAAAAAAAAAAAAECcAABAnAAAAAAAAAAAAAAAAAAAAAAAAAAAAAAAAAAAAAAAAAAAAABQAAAAAAAAAwMD/AAAAAABkAAAAMgAAAAAAAABkAAAAAAAAAH9/fwAKAAAAHwAAAFQAAAC74OMF////AQAAAAAAAAAAAAAAAAAAAAAAAAAAAAAAAAAAAAAAAAAAAAAAAn9/fwCAgIADzMzMAMDA/wB/f38AAAAAAAAAAAAAAAAAAAAAAAAAAAAhAAAAGAAAABQAAADRKgAA1w4AABY0AACYFAAAEAAAACYAAAAIAAAA//////////8="/>
               </a:ext>
             </a:extLst>
           </p:cNvSpPr>
@@ -4236,7 +4236,7 @@
           <p:cNvSpPr txBox="1">
             <a:extLst>
               <a:ext uri="smNativeData">
-                <pr:smNativeData xmlns:pr="smNativeData" val="SMDATA_13_BbpsXRMAAAAlAAAAEgAAAA8BAAAAkAAAAEgAAACQAAAASAAAAAAAAAAAAAAAAAAAAAEAAABQAAAAAAAAAAAA4D8AAAAAAADgPwAAAAAAAOA/AAAAAAAA4D8AAAAAAADgPwAAAAAAAOA/AAAAAAAA4D8AAAAAAADgPwAAAAAAAOA/AAAAAAAA4D8CAAAAjAAAAAAAAAAAAAAAu+DjDP///wgAAAAAAAAAAAAAAAAAAAAAAAAAAAAAAAAAAAAAZAAAAAEAAABAAAAAAAAAAAAAAAAAAAAAAAAAAAAAAAAAAAAAAAAAAAAAAAAAAAAAAAAAAAAAAAAAAAAAAAAAAAAAAAAAAAAAAAAAAAAAAAAAAAAAAAAAAAAAAAAAAAAAFAAAADwAAAAAAAAAAAAAAAAAAAkUAAAAAQAAABQAAAAUAAAAFAAAAAEAAAAAAAAAZAAAAGQAAAAAAAAAZAAAAGQAAAAVAAAAYAAAAAAAAAAAAAAADwAAACADAAAAAAAAAAAAAAEAAACgMgAAVgcAAKr4//8BAAAAf39/AAEAAABkAAAAAAAAABQAAABAHwAAAAAAACYAAAAAAAAAwOD//wAAAAAmAAAAZAAAABYAAABMAAAAAAAAAAAAAAAEAAAAAAAAAAEAAACAgIAKAAAAACgAAAAoAAAAZAAAAGQAAAAAAAAAzMzMAAAAAABQAAAAUAAAAGQAAABkAAAAAAAAABcAAAAUAAAAAAAAANwIAAD/fwAA/38AAAAAAAAJAAAABAAAAAAAAAAMAAAAEAAAAAAAAAAAAAAAAAAAAAAAAAAeAAAAaAAAAAAAAAAAAAAAAAAAAAAAAAAAAAAAECcAABAnAAAAAAAAAAAAAAAAAAAAAAAAAAAAAAAAAAAAAAAAAAAAABQAAAAAAAAAwMD/AAAAAABkAAAAMgAAAAAAAABkAAAAAAAAAH9/fwAKAAAAHwAAAFQAAAC74OMF////AQAAAAAAAAAAAAAAAAAAAAAAAAAAAAAAAAAAAAAAAAAAAAAAAn9/fwCAgIADzMzMAMDA/wB/f38AAAAAAAAAAAAAAAAAAAAAAAAAAAAhAAAAGAAAABQAAACjGQAAqyAAAMojAABUJwAAEAAAACYAAAAIAAAA//////////8="/>
+                <pr:smNativeData xmlns:pr="smNativeData" val="SMDATA_13_IrKAXRMAAAAlAAAAEgAAAA8BAAAAkAAAAEgAAACQAAAASAAAAAAAAAAAAAAAAAAAAAEAAABQAAAAAAAAAAAA4D8AAAAAAADgPwAAAAAAAOA/AAAAAAAA4D8AAAAAAADgPwAAAAAAAOA/AAAAAAAA4D8AAAAAAADgPwAAAAAAAOA/AAAAAAAA4D8CAAAAjAAAAAAAAAAAAAAAu+DjDP///wgAAAAAAAAAAAAAAAAAAAAAAAAAAAAAAAAAAAAAZAAAAAEAAABAAAAAAAAAAAAAAAAAAAAAAAAAAAAAAAAAAAAAAAAAAAAAAAAAAAAAAAAAAAAAAAAAAAAAAAAAAAAAAAAAAAAAAAAAAAAAAAAAAAAAAAAAAAAAAAAAAAAAFAAAADwAAAAAAAAAAAAAAAAAAAkUAAAAAQAAABQAAAAUAAAAFAAAAAEAAAAAAAAAZAAAAGQAAAAAAAAAZAAAAGQAAAAVAAAAYAAAAAAAAAAAAAAADwAAACADAAAAAAAAAAAAAAEAAACgMgAAVgcAAKr4//8BAAAAf39/AAEAAABkAAAAAAAAABQAAABAHwAAAAAAACYAAAAAAAAAwOD//wAAAAAmAAAAZAAAABYAAABMAAAAAAAAAAAAAAAEAAAAAAAAAAEAAACAgIAKAAAAACgAAAAoAAAAZAAAAGQAAAAAAAAAzMzMAAAAAABQAAAAUAAAAGQAAABkAAAAAAAAABcAAAAUAAAAAAAAANwIAAD/fwAA/38AAAAAAAAJAAAABAAAAAAAAAAMAAAAEAAAAAAAAAAAAAAAAAAAAAAAAAAeAAAAaAAAAAAAAAAAAAAAAAAAAAAAAAAAAAAAECcAABAnAAAAAAAAAAAAAAAAAAAAAAAAAAAAAAAAAAAAAAAAAAAAABQAAAAAAAAAwMD/AAAAAABkAAAAMgAAAAAAAABkAAAAAAAAAH9/fwAKAAAAHwAAAFQAAAC74OMF////AQAAAAAAAAAAAAAAAAAAAAAAAAAAAAAAAAAAAAAAAAAAAAAAAn9/fwCAgIADzMzMAMDA/wB/f38AAAAAAAAAAAAAAAAAAAAAAAAAAAAhAAAAGAAAABQAAACjGQAAqyAAAMojAABUJwAAEAAAACYAAAAIAAAA//////////8="/>
               </a:ext>
             </a:extLst>
           </p:cNvSpPr>
@@ -4326,7 +4326,7 @@
           <p:cNvSpPr txBox="1">
             <a:extLst>
               <a:ext uri="smNativeData">
-                <pr:smNativeData xmlns:pr="smNativeData" val="SMDATA_13_BbpsXRMAAAAlAAAAEgAAAE8BAAAAkAAAAEgAAACQAAAASAAAAAAAAAAAAAAAAAAAAAEAAABQAAAAAAAAAAAA4D8AAAAAAADgPwAAAAAAAOA/AAAAAAAA4D8AAAAAAADgPwAAAAAAAOA/AAAAAAAA4D8AAAAAAADgPwAAAAAAAOA/AAAAAAAA4D8CAAAAjAAAAAAAAAAAAAAAu+DjDP///wgAAAAAAAAAAAAAAAAAAAAAAAAAAAAAAAAAAAAAZAAAAAEAAABAAAAAAAAAAAAAAAAAAAAAAAAAAAAAAAAAAAAAAAAAAAAAAAAAAAAAAAAAAAAAAAAAAAAAAAAAAAAAAAAAAAAAAAAAAAAAAAAAAAAAAAAAAAAAAAAAAAAAFAAAADwAAAAAAAAAAAAAAAAAAAkUAAAAAQAAABQAAAAUAAAAFAAAAAEAAAAAAAAAZAAAAGQAAAAAAAAAZAAAAGQAAAAVAAAAYAAAAAAAAAAAAAAADwAAACADAAAAAAAAAAAAAAEAAACgMgAAVgcAAKr4//8BAAAAf39/AAEAAABkAAAAAAAAABQAAABAHwAAAAAAACYAAAAAAAAAwOD//wAAAAAmAAAAZAAAABYAAABMAAAAAAAAAAAAAAAEAAAAAAAAAAEAAACAgIAKAAAAACgAAAAoAAAAZAAAAGQAAAAAAAAAzMzMAAAAAABQAAAAUAAAAGQAAABkAAAAAAAAABcAAAAUAAAAAAAAANwIAAD/fwAA/38AAAAAAAAJAAAABAAAAAAAAAAMAAAAEAAAAAAAAAAAAAAAAAAAAAAAAAAeAAAAaAAAAAAAAAAAAAAAAAAAAAAAAAAAAAAAECcAABAnAAAAAAAAAAAAAAAAAAAAAAAAAAAAAAAAAAAAAAAAAAAAABQAAAAAAAAAwMD/AAAAAABkAAAAMgAAAAAAAABkAAAAAAAAAH9/fwAKAAAAHwAAAFQAAAC74OMF////AQAAAAAAAAAAAAAAAAAAAAAAAAAAAAAAAAAAAAAAAAAAAAAAAn9/fwCAgIADzMzMAMDA/wB/f38AAAAAAAAAAAAAAAAAAAAAAAAAAAAhAAAAGAAAABQAAAAVDQAAqBYAAGkSAADoGAAAECAAACYAAAAIAAAA//////////8="/>
+                <pr:smNativeData xmlns:pr="smNativeData" val="SMDATA_13_IrKAXRMAAAAlAAAAEgAAAE8BAAAAkAAAAEgAAACQAAAASAAAAAAAAAAAAAAAAAAAAAEAAABQAAAAAAAAAAAA4D8AAAAAAADgPwAAAAAAAOA/AAAAAAAA4D8AAAAAAADgPwAAAAAAAOA/AAAAAAAA4D8AAAAAAADgPwAAAAAAAOA/AAAAAAAA4D8CAAAAjAAAAAAAAAAAAAAAu+DjDP///wgAAAAAAAAAAAAAAAAAAAAAAAAAAAAAAAAAAAAAZAAAAAEAAABAAAAAAAAAAAAAAAAAAAAAAAAAAAAAAAAAAAAAAAAAAAAAAAAAAAAAAAAAAAAAAAAAAAAAAAAAAAAAAAAAAAAAAAAAAAAAAAAAAAAAAAAAAAAAAAAAAAAAFAAAADwAAAAAAAAAAAAAAAAAAAkUAAAAAQAAABQAAAAUAAAAFAAAAAEAAAAAAAAAZAAAAGQAAAAAAAAAZAAAAGQAAAAVAAAAYAAAAAAAAAAAAAAADwAAACADAAAAAAAAAAAAAAEAAACgMgAAVgcAAKr4//8BAAAAf39/AAEAAABkAAAAAAAAABQAAABAHwAAAAAAACYAAAAAAAAAwOD//wAAAAAmAAAAZAAAABYAAABMAAAAAAAAAAAAAAAEAAAAAAAAAAEAAACAgIAKAAAAACgAAAAoAAAAZAAAAGQAAAAAAAAAzMzMAAAAAABQAAAAUAAAAGQAAABkAAAAAAAAABcAAAAUAAAAAAAAANwIAAD/fwAA/38AAAAAAAAJAAAABAAAAAAAAAAMAAAAEAAAAAAAAAAAAAAAAAAAAAAAAAAeAAAAaAAAAAAAAAAAAAAAAAAAAAAAAAAAAAAAECcAABAnAAAAAAAAAAAAAAAAAAAAAAAAAAAAAAAAAAAAAAAAAAAAABQAAAAAAAAAwMD/AAAAAABkAAAAMgAAAAAAAABkAAAAAAAAAH9/fwAKAAAAHwAAAFQAAAC74OMF////AQAAAAAAAAAAAAAAAAAAAAAAAAAAAAAAAAAAAAAAAAAAAAAAAn9/fwCAgIADzMzMAMDA/wB/f38AAAAAAAAAAAAAAAAAAAAAAAAAAAAhAAAAGAAAABQAAAAVDQAAqBYAAGkSAADoGAAAECAAACYAAAAIAAAA//////////8="/>
               </a:ext>
             </a:extLst>
           </p:cNvSpPr>
@@ -4372,7 +4372,7 @@
           <p:cNvSpPr txBox="1">
             <a:extLst>
               <a:ext uri="smNativeData">
-                <pr:smNativeData xmlns:pr="smNativeData" val="SMDATA_13_BbpsXRMAAAAlAAAAEgAAAE8BAAAAkAAAAEgAAACQAAAASAAAAAAAAAAAAAAAAAAAAAEAAABQAAAAAAAAAAAA4D8AAAAAAADgPwAAAAAAAOA/AAAAAAAA4D8AAAAAAADgPwAAAAAAAOA/AAAAAAAA4D8AAAAAAADgPwAAAAAAAOA/AAAAAAAA4D8CAAAAjAAAAAAAAAAAAAAAu+DjDP///wgAAAAAAAAAAAAAAAAAAAAAAAAAAAAAAAAAAAAAZAAAAAEAAABAAAAAAAAAAAAAAAAAAAAAAAAAAAAAAAAAAAAAAAAAAAAAAAAAAAAAAAAAAAAAAAAAAAAAAAAAAAAAAAAAAAAAAAAAAAAAAAAAAAAAAAAAAAAAAAAAAAAAFAAAADwAAAAAAAAAAAAAAAAAAAkUAAAAAQAAABQAAAAUAAAAFAAAAAEAAAAAAAAAZAAAAGQAAAAAAAAAZAAAAGQAAAAVAAAAYAAAAAAAAAAAAAAADwAAACADAAAAAAAAAAAAAAEAAACgMgAAVgcAAKr4//8BAAAAf39/AAEAAABkAAAAAAAAABQAAABAHwAAAAAAACYAAAAAAAAAwOD//wAAAAAmAAAAZAAAABYAAABMAAAAAAAAAAAAAAAEAAAAAAAAAAEAAACAgIAKAAAAACgAAAAoAAAAZAAAAGQAAAAAAAAAzMzMAAAAAABQAAAAUAAAAGQAAABkAAAAAAAAABcAAAAUAAAAAAAAANwIAAD/fwAA/38AAAAAAAAJAAAABAAAAAAAAAAMAAAAEAAAAAAAAAAAAAAAAAAAAAAAAAAeAAAAaAAAAAAAAAAAAAAAAAAAAAAAAAAAAAAAECcAABAnAAAAAAAAAAAAAAAAAAAAAAAAAAAAAAAAAAAAAAAAAAAAABQAAAAAAAAAwMD/AAAAAABkAAAAMgAAAAAAAABkAAAAAAAAAH9/fwAKAAAAHwAAAFQAAAC74OMF////AQAAAAAAAAAAAAAAAAAAAAAAAAAAAAAAAAAAAAAAAAAAAAAAAn9/fwCAgIADzMzMAMDA/wB/f38AAAAAAAAAAAAAAAAAAAAAAAAAAAAhAAAAGAAAABQAAACPGAAALgsAAOskAAC+DgAAECAAACYAAAAIAAAA//////////8="/>
+                <pr:smNativeData xmlns:pr="smNativeData" val="SMDATA_13_IrKAXRMAAAAlAAAAEgAAAE8BAAAAkAAAAEgAAACQAAAASAAAAAAAAAAAAAAAAAAAAAEAAABQAAAAAAAAAAAA4D8AAAAAAADgPwAAAAAAAOA/AAAAAAAA4D8AAAAAAADgPwAAAAAAAOA/AAAAAAAA4D8AAAAAAADgPwAAAAAAAOA/AAAAAAAA4D8CAAAAjAAAAAAAAAAAAAAAu+DjDP///wgAAAAAAAAAAAAAAAAAAAAAAAAAAAAAAAAAAAAAZAAAAAEAAABAAAAAAAAAAAAAAAAAAAAAAAAAAAAAAAAAAAAAAAAAAAAAAAAAAAAAAAAAAAAAAAAAAAAAAAAAAAAAAAAAAAAAAAAAAAAAAAAAAAAAAAAAAAAAAAAAAAAAFAAAADwAAAAAAAAAAAAAAAAAAAkUAAAAAQAAABQAAAAUAAAAFAAAAAEAAAAAAAAAZAAAAGQAAAAAAAAAZAAAAGQAAAAVAAAAYAAAAAAAAAAAAAAADwAAACADAAAAAAAAAAAAAAEAAACgMgAAVgcAAKr4//8BAAAAf39/AAEAAABkAAAAAAAAABQAAABAHwAAAAAAACYAAAAAAAAAwOD//wAAAAAmAAAAZAAAABYAAABMAAAAAAAAAAAAAAAEAAAAAAAAAAEAAACAgIAKAAAAACgAAAAoAAAAZAAAAGQAAAAAAAAAzMzMAAAAAABQAAAAUAAAAGQAAABkAAAAAAAAABcAAAAUAAAAAAAAANwIAAD/fwAA/38AAAAAAAAJAAAABAAAAAAAAAAMAAAAEAAAAAAAAAAAAAAAAAAAAAAAAAAeAAAAaAAAAAAAAAAAAAAAAAAAAAAAAAAAAAAAECcAABAnAAAAAAAAAAAAAAAAAAAAAAAAAAAAAAAAAAAAAAAAAAAAABQAAAAAAAAAwMD/AAAAAABkAAAAMgAAAAAAAABkAAAAAAAAAH9/fwAKAAAAHwAAAFQAAAC74OMF////AQAAAAAAAAAAAAAAAAAAAAAAAAAAAAAAAAAAAAAAAAAAAAAAAn9/fwCAgIADzMzMAMDA/wB/f38AAAAAAAAAAAAAAAAAAAAAAAAAAAAhAAAAGAAAABQAAACPGAAALgsAAOskAAC+DgAAECAAACYAAAAIAAAA//////////8="/>
               </a:ext>
             </a:extLst>
           </p:cNvSpPr>
@@ -4418,7 +4418,7 @@
           <p:cNvSpPr txBox="1">
             <a:extLst>
               <a:ext uri="smNativeData">
-                <pr:smNativeData xmlns:pr="smNativeData" val="SMDATA_13_BbpsXRMAAAAlAAAAEgAAAE8BAAAAkAAAAEgAAACQAAAASAAAAAAAAAAAAAAAAAAAAAEAAABQAAAAAAAAAAAA4D8AAAAAAADgPwAAAAAAAOA/AAAAAAAA4D8AAAAAAADgPwAAAAAAAOA/AAAAAAAA4D8AAAAAAADgPwAAAAAAAOA/AAAAAAAA4D8CAAAAjAAAAAAAAAAAAAAAu+DjDP///wgAAAAAAAAAAAAAAAAAAAAAAAAAAAAAAAAAAAAAZAAAAAEAAABAAAAAAAAAAAAAAAAAAAAAAAAAAAAAAAAAAAAAAAAAAAAAAAAAAAAAAAAAAAAAAAAAAAAAAAAAAAAAAAAAAAAAAAAAAAAAAAAAAAAAAAAAAAAAAAAAAAAAFAAAADwAAAAAAAAAAAAAAAAAAAkUAAAAAQAAABQAAAAUAAAAFAAAAAEAAAAAAAAAZAAAAGQAAAAAAAAAZAAAAGQAAAAVAAAAYAAAAAAAAAAAAAAADwAAACADAAAAAAAAAAAAAAEAAACgMgAAVgcAAKr4//8BAAAAf39/AAEAAABkAAAAAAAAABQAAABAHwAAAAAAACYAAAAAAAAAwOD//wAAAAAmAAAAZAAAABYAAABMAAAAAAAAAAAAAAAEAAAAAAAAAAEAAACAgIAKAAAAACgAAAAoAAAAZAAAAGQAAAAAAAAAzMzMAAAAAABQAAAAUAAAAGQAAABkAAAAAAAAABcAAAAUAAAAAAAAANwIAAD/fwAA/38AAAAAAAAJAAAABAAAAP////8MAAAAEAAAAAAAAAAAAAAAAAAAAAAAAAAeAAAAaAAAAAAAAAAAAAAAAAAAAAAAAAAAAAAAECcAABAnAAAAAAAAAAAAAAAAAAAAAAAAAAAAAAAAAAAAAAAAAAAAABQAAAAAAAAAwMD/AAAAAABkAAAAMgAAAAAAAABkAAAAAAAAAH9/fwAKAAAAHwAAAFQAAAC74OMF////AQAAAAAAAAAAAAAAAAAAAAAAAAAAAAAAAAAAAAAAAAAAAAAAAn9/fwCAgIADzMzMAMDA/wB/f38AAAAAAAAAAAAAAAAAAAAAAAAAAAAhAAAAGAAAABQAAADzKwAADhcAAM80AABOGQAAECAAACYAAAAIAAAA//////////8="/>
+                <pr:smNativeData xmlns:pr="smNativeData" val="SMDATA_13_IrKAXRMAAAAlAAAAEgAAAE8BAAAAkAAAAEgAAACQAAAASAAAAAAAAAAAAAAAAAAAAAEAAABQAAAAAAAAAAAA4D8AAAAAAADgPwAAAAAAAOA/AAAAAAAA4D8AAAAAAADgPwAAAAAAAOA/AAAAAAAA4D8AAAAAAADgPwAAAAAAAOA/AAAAAAAA4D8CAAAAjAAAAAAAAAAAAAAAu+DjDP///wgAAAAAAAAAAAAAAAAAAAAAAAAAAAAAAAAAAAAAZAAAAAEAAABAAAAAAAAAAAAAAAAAAAAAAAAAAAAAAAAAAAAAAAAAAAAAAAAAAAAAAAAAAAAAAAAAAAAAAAAAAAAAAAAAAAAAAAAAAAAAAAAAAAAAAAAAAAAAAAAAAAAAFAAAADwAAAAAAAAAAAAAAAAAAAkUAAAAAQAAABQAAAAUAAAAFAAAAAEAAAAAAAAAZAAAAGQAAAAAAAAAZAAAAGQAAAAVAAAAYAAAAAAAAAAAAAAADwAAACADAAAAAAAAAAAAAAEAAACgMgAAVgcAAKr4//8BAAAAf39/AAEAAABkAAAAAAAAABQAAABAHwAAAAAAACYAAAAAAAAAwOD//wAAAAAmAAAAZAAAABYAAABMAAAAAAAAAAAAAAAEAAAAAAAAAAEAAACAgIAKAAAAACgAAAAoAAAAZAAAAGQAAAAAAAAAzMzMAAAAAABQAAAAUAAAAGQAAABkAAAAAAAAABcAAAAUAAAAAAAAANwIAAD/fwAA/38AAAAAAAAJAAAABAAAAP////8MAAAAEAAAAAAAAAAAAAAAAAAAAAAAAAAeAAAAaAAAAAAAAAAAAAAAAAAAAAAAAAAAAAAAECcAABAnAAAAAAAAAAAAAAAAAAAAAAAAAAAAAAAAAAAAAAAAAAAAABQAAAAAAAAAwMD/AAAAAABkAAAAMgAAAAAAAABkAAAAAAAAAH9/fwAKAAAAHwAAAFQAAAC74OMF////AQAAAAAAAAAAAAAAAAAAAAAAAAAAAAAAAAAAAAAAAAAAAAAAAn9/fwCAgIADzMzMAMDA/wB/f38AAAAAAAAAAAAAAAAAAAAAAAAAAAAhAAAAGAAAABQAAADzKwAADhcAAM80AABOGQAAECAAACYAAAAIAAAA//////////8="/>
               </a:ext>
             </a:extLst>
           </p:cNvSpPr>
@@ -4464,7 +4464,7 @@
           <p:cNvSpPr txBox="1">
             <a:extLst>
               <a:ext uri="smNativeData">
-                <pr:smNativeData xmlns:pr="smNativeData" val="SMDATA_13_BbpsXRMAAAAlAAAAEgAAAE8BAAAAkAAAAEgAAACQAAAASAAAAAAAAAAAAAAAAAAAAAEAAABQAAAAAAAAAAAA4D8AAAAAAADgPwAAAAAAAOA/AAAAAAAA4D8AAAAAAADgPwAAAAAAAOA/AAAAAAAA4D8AAAAAAADgPwAAAAAAAOA/AAAAAAAA4D8CAAAAjAAAAAAAAAAAAAAAu+DjDP///wgAAAAAAAAAAAAAAAAAAAAAAAAAAAAAAAAAAAAAZAAAAAEAAABAAAAAAAAAAAAAAAAAAAAAAAAAAAAAAAAAAAAAAAAAAAAAAAAAAAAAAAAAAAAAAAAAAAAAAAAAAAAAAAAAAAAAAAAAAAAAAAAAAAAAAAAAAAAAAAAAAAAAFAAAADwAAAAAAAAAAAAAAAAAAAkUAAAAAQAAABQAAAAUAAAAFAAAAAEAAAAAAAAAZAAAAGQAAAAAAAAAZAAAAGQAAAAVAAAAYAAAAAAAAAAAAAAADwAAACADAAAAAAAAAAAAAAEAAACgMgAAVgcAAKr4//8BAAAAf39/AAEAAABkAAAAAAAAABQAAABAHwAAAAAAACYAAAAAAAAAwOD//wAAAAAmAAAAZAAAABYAAABMAAAAAAAAAAAAAAAEAAAAAAAAAAEAAACAgIAKAAAAACgAAAAoAAAAZAAAAGQAAAAAAAAAzMzMAAAAAABQAAAAUAAAAGQAAABkAAAAAAAAABcAAAAUAAAAAAAAANwIAAD/fwAA/38AAAAAAAAJAAAABAAAAAAAAAAMAAAAEAAAAAAAAAAAAAAAAAAAAAAAAAAeAAAAaAAAAAAAAAAAAAAAAAAAAAAAAAAAAAAAECcAABAnAAAAAAAAAAAAAAAAAAAAAAAAAAAAAAAAAAAAAAAAAAAAABQAAAAAAAAAwMD/AAAAAABkAAAAMgAAAAAAAABkAAAAAAAAAH9/fwAKAAAAHwAAAFQAAAC74OMF////AQAAAAAAAAAAAAAAAAAAAAAAAAAAAAAAAAAAAAAAAAAAAAAAAn9/fwCAgIADzMzMAMDA/wB/f38AAAAAAAAAAAAAAAAAAAAAAAAAAAAhAAAAGAAAABQAAACPGAAAMBoAAOskAADAHQAAECAAACYAAAAIAAAA//////////8="/>
+                <pr:smNativeData xmlns:pr="smNativeData" val="SMDATA_13_IrKAXRMAAAAlAAAAEgAAAE8BAAAAkAAAAEgAAACQAAAASAAAAAAAAAAAAAAAAAAAAAEAAABQAAAAAAAAAAAA4D8AAAAAAADgPwAAAAAAAOA/AAAAAAAA4D8AAAAAAADgPwAAAAAAAOA/AAAAAAAA4D8AAAAAAADgPwAAAAAAAOA/AAAAAAAA4D8CAAAAjAAAAAAAAAAAAAAAu+DjDP///wgAAAAAAAAAAAAAAAAAAAAAAAAAAAAAAAAAAAAAZAAAAAEAAABAAAAAAAAAAAAAAAAAAAAAAAAAAAAAAAAAAAAAAAAAAAAAAAAAAAAAAAAAAAAAAAAAAAAAAAAAAAAAAAAAAAAAAAAAAAAAAAAAAAAAAAAAAAAAAAAAAAAAFAAAADwAAAAAAAAAAAAAAAAAAAkUAAAAAQAAABQAAAAUAAAAFAAAAAEAAAAAAAAAZAAAAGQAAAAAAAAAZAAAAGQAAAAVAAAAYAAAAAAAAAAAAAAADwAAACADAAAAAAAAAAAAAAEAAACgMgAAVgcAAKr4//8BAAAAf39/AAEAAABkAAAAAAAAABQAAABAHwAAAAAAACYAAAAAAAAAwOD//wAAAAAmAAAAZAAAABYAAABMAAAAAAAAAAAAAAAEAAAAAAAAAAEAAACAgIAKAAAAACgAAAAoAAAAZAAAAGQAAAAAAAAAzMzMAAAAAABQAAAAUAAAAGQAAABkAAAAAAAAABcAAAAUAAAAAAAAANwIAAD/fwAA/38AAAAAAAAJAAAABAAAAAAAAAAMAAAAEAAAAAAAAAAAAAAAAAAAAAAAAAAeAAAAaAAAAAAAAAAAAAAAAAAAAAAAAAAAAAAAECcAABAnAAAAAAAAAAAAAAAAAAAAAAAAAAAAAAAAAAAAAAAAAAAAABQAAAAAAAAAwMD/AAAAAABkAAAAMgAAAAAAAABkAAAAAAAAAH9/fwAKAAAAHwAAAFQAAAC74OMF////AQAAAAAAAAAAAAAAAAAAAAAAAAAAAAAAAAAAAAAAAAAAAAAAAn9/fwCAgIADzMzMAMDA/wB/f38AAAAAAAAAAAAAAAAAAAAAAAAAAAAhAAAAGAAAABQAAACPGAAAMBoAAOskAADAHQAAECAAACYAAAAIAAAA//////////8="/>
               </a:ext>
             </a:extLst>
           </p:cNvSpPr>
@@ -4510,7 +4510,7 @@
           <p:cNvSpPr txBox="1">
             <a:extLst>
               <a:ext uri="smNativeData">
-                <pr:smNativeData xmlns:pr="smNativeData" val="SMDATA_13_BbpsXRMAAAAlAAAAEgAAAA8BAAAAkAAAAEgAAACQAAAASAAAAAAAAAAAAAAAAAAAAAEAAABQAAAAAAAAAAAA4D8AAAAAAADgPwAAAAAAAOA/AAAAAAAA4D8AAAAAAADgPwAAAAAAAOA/AAAAAAAA4D8AAAAAAADgPwAAAAAAAOA/AAAAAAAA4D8CAAAAjAAAAAAAAAAAAAAAu+DjDP///wgAAAAAAAAAAAAAAAAAAAAAAAAAAAAAAAAAAAAAZAAAAAEAAABAAAAAAAAAAAAAAAAAAAAAAAAAAAAAAAAAAAAAAAAAAAAAAAAAAAAAAAAAAAAAAAAAAAAAAAAAAAAAAAAAAAAAAAAAAAAAAAAAAAAAAAAAAAAAAAAAAAAAFAAAADwAAAAAAAAAAAAAAAAAAAkUAAAAAQAAABQAAAAUAAAAFAAAAAEAAAAAAAAAZAAAAGQAAAAAAAAAZAAAAGQAAAAVAAAAYAAAAAAAAAAAAAAADwAAACADAAAAAAAAAAAAAAEAAACgMgAAVgcAAKr4//8BAAAAf39/AAEAAABkAAAAAAAAABQAAABAHwAAAAAAACYAAAAAAAAAwOD//wAAAAAmAAAAZAAAABYAAABMAAAAAAAAAAAAAAAEAAAAAAAAAAEAAACAgIAKAAAAACgAAAAoAAAAZAAAAGQAAAAAAAAAzMzMAAAAAABQAAAAUAAAAGQAAABkAAAAAAAAABcAAAAUAAAAAAAAANwIAAD/fwAA/38AAAAAAAAJAAAABAAAAAAAAAAMAAAAEAAAAAAAAAAAAAAAAAAAAAAAAAAeAAAAaAAAAAAAAAAAAAAAAAAAAAAAAAAAAAAAECcAABAnAAAAAAAAAAAAAAAAAAAAAAAAAAAAAAAAAAAAAAAAAAAAABQAAAAAAAAAwMD/AAAAAABkAAAAMgAAAAAAAABkAAAAAAAAAH9/fwAKAAAAHwAAAFQAAAC74OMF////AQAAAAAAAAAAAAAAAAAAAAAAAAAAAAAAAAAAAAAAAAAAAAAAAn9/fwCAgIADzMzMAMDA/wB/f38AAAAAAAAAAAAAAAAAAAAAAAAAAAAhAAAAGAAAABQAAABzDwAAgxsAAB4YAADIJAAAEAAAACYAAAAIAAAA//////////8="/>
+                <pr:smNativeData xmlns:pr="smNativeData" val="SMDATA_13_IrKAXRMAAAAlAAAAEgAAAA8BAAAAkAAAAEgAAACQAAAASAAAAAAAAAAAAAAAAAAAAAEAAABQAAAAAAAAAAAA4D8AAAAAAADgPwAAAAAAAOA/AAAAAAAA4D8AAAAAAADgPwAAAAAAAOA/AAAAAAAA4D8AAAAAAADgPwAAAAAAAOA/AAAAAAAA4D8CAAAAjAAAAAAAAAAAAAAAu+DjDP///wgAAAAAAAAAAAAAAAAAAAAAAAAAAAAAAAAAAAAAZAAAAAEAAABAAAAAAAAAAAAAAAAAAAAAAAAAAAAAAAAAAAAAAAAAAAAAAAAAAAAAAAAAAAAAAAAAAAAAAAAAAAAAAAAAAAAAAAAAAAAAAAAAAAAAAAAAAAAAAAAAAAAAFAAAADwAAAAAAAAAAAAAAAAAAAkUAAAAAQAAABQAAAAUAAAAFAAAAAEAAAAAAAAAZAAAAGQAAAAAAAAAZAAAAGQAAAAVAAAAYAAAAAAAAAAAAAAADwAAACADAAAAAAAAAAAAAAEAAACgMgAAVgcAAKr4//8BAAAAf39/AAEAAABkAAAAAAAAABQAAABAHwAAAAAAACYAAAAAAAAAwOD//wAAAAAmAAAAZAAAABYAAABMAAAAAAAAAAAAAAAEAAAAAAAAAAEAAACAgIAKAAAAACgAAAAoAAAAZAAAAGQAAAAAAAAAzMzMAAAAAABQAAAAUAAAAGQAAABkAAAAAAAAABcAAAAUAAAAAAAAANwIAAD/fwAA/38AAAAAAAAJAAAABAAAAAAAAAAMAAAAEAAAAAAAAAAAAAAAAAAAAAAAAAAeAAAAaAAAAAAAAAAAAAAAAAAAAAAAAAAAAAAAECcAABAnAAAAAAAAAAAAAAAAAAAAAAAAAAAAAAAAAAAAAAAAAAAAABQAAAAAAAAAwMD/AAAAAABkAAAAMgAAAAAAAABkAAAAAAAAAH9/fwAKAAAAHwAAAFQAAAC74OMF////AQAAAAAAAAAAAAAAAAAAAAAAAAAAAAAAAAAAAAAAAAAAAAAAAn9/fwCAgIADzMzMAMDA/wB/f38AAAAAAAAAAAAAAAAAAAAAAAAAAAAhAAAAGAAAABQAAABzDwAAgxsAAB4YAADIJAAAEAAAACYAAAAIAAAA//////////8="/>
               </a:ext>
             </a:extLst>
           </p:cNvSpPr>
@@ -4556,7 +4556,7 @@
           <p:cNvSpPr txBox="1">
             <a:extLst>
               <a:ext uri="smNativeData">
-                <pr:smNativeData xmlns:pr="smNativeData" val="SMDATA_13_BbpsXRMAAAAlAAAAEgAAAA8BAAAAkAAAAEgAAACQAAAASAAAAAAAAAAAAAAAAAAAAAEAAABQAAAAAAAAAAAA4D8AAAAAAADgPwAAAAAAAOA/AAAAAAAA4D8AAAAAAADgPwAAAAAAAOA/AAAAAAAA4D8AAAAAAADgPwAAAAAAAOA/AAAAAAAA4D8CAAAAjAAAAAAAAAAAAAAAu+DjDP///wgAAAAAAAAAAAAAAAAAAAAAAAAAAAAAAAAAAAAAZAAAAAEAAABAAAAAAAAAAAAAAAAAAAAAAAAAAAAAAAAAAAAAAAAAAAAAAAAAAAAAAAAAAAAAAAAAAAAAAAAAAAAAAAAAAAAAAAAAAAAAAAAAAAAAAAAAAAAAAAAAAAAAFAAAADwAAAAAAAAAAAAAAAAAAAkUAAAAAQAAABQAAAAUAAAAFAAAAAEAAAAAAAAAZAAAAGQAAAAAAAAAZAAAAGQAAAAVAAAAYAAAAAAAAAAAAAAADwAAACADAAAAAAAAAAAAAAEAAACgMgAAVgcAAKr4//8BAAAAf39/AAEAAABkAAAAAAAAABQAAABAHwAAAAAAACYAAAAAAAAAwOD//wAAAAAmAAAAZAAAABYAAABMAAAAAAAAAAAAAAAEAAAAAAAAAAEAAACAgIAKAAAAACgAAAAoAAAAZAAAAGQAAAAAAAAAzMzMAAAAAABQAAAAUAAAAGQAAABkAAAAAAAAABcAAAAUAAAAAAAAANwIAAD/fwAA/38AAAAAAAAJAAAABAAAAAAAAAAMAAAAEAAAAAAAAAAAAAAAAAAAAAAAAAAeAAAAaAAAAAAAAAAAAAAAAAAAAAAAAAAAAAAAECcAABAnAAAAAAAAAAAAAAAAAAAAAAAAAAAAAAAAAAAAAAAAAAAAABQAAAAAAAAAwMD/AAAAAABkAAAAMgAAAAAAAABkAAAAAAAAAH9/fwAKAAAAHwAAAFQAAAC74OMF////AQAAAAAAAAAAAAAAAAAAAAAAAAAAAAAAAAAAAAAAAAAAAAAAAn9/fwCAgIADzMzMAMDA/wB/f38AAAAAAAAAAAAAAAAAAAAAAAAAAAAhAAAAGAAAABQAAAAgJwAA9BsAAMouAAAiIgAAEAAAACYAAAAIAAAA//////////8="/>
+                <pr:smNativeData xmlns:pr="smNativeData" val="SMDATA_13_IrKAXRMAAAAlAAAAEgAAAA8BAAAAkAAAAEgAAACQAAAASAAAAAAAAAAAAAAAAAAAAAEAAABQAAAAAAAAAAAA4D8AAAAAAADgPwAAAAAAAOA/AAAAAAAA4D8AAAAAAADgPwAAAAAAAOA/AAAAAAAA4D8AAAAAAADgPwAAAAAAAOA/AAAAAAAA4D8CAAAAjAAAAAAAAAAAAAAAu+DjDP///wgAAAAAAAAAAAAAAAAAAAAAAAAAAAAAAAAAAAAAZAAAAAEAAABAAAAAAAAAAAAAAAAAAAAAAAAAAAAAAAAAAAAAAAAAAAAAAAAAAAAAAAAAAAAAAAAAAAAAAAAAAAAAAAAAAAAAAAAAAAAAAAAAAAAAAAAAAAAAAAAAAAAAFAAAADwAAAAAAAAAAAAAAAAAAAkUAAAAAQAAABQAAAAUAAAAFAAAAAEAAAAAAAAAZAAAAGQAAAAAAAAAZAAAAGQAAAAVAAAAYAAAAAAAAAAAAAAADwAAACADAAAAAAAAAAAAAAEAAACgMgAAVgcAAKr4//8BAAAAf39/AAEAAABkAAAAAAAAABQAAABAHwAAAAAAACYAAAAAAAAAwOD//wAAAAAmAAAAZAAAABYAAABMAAAAAAAAAAAAAAAEAAAAAAAAAAEAAACAgIAKAAAAACgAAAAoAAAAZAAAAGQAAAAAAAAAzMzMAAAAAABQAAAAUAAAAGQAAABkAAAAAAAAABcAAAAUAAAAAAAAANwIAAD/fwAA/38AAAAAAAAJAAAABAAAAAAAAAAMAAAAEAAAAAAAAAAAAAAAAAAAAAAAAAAeAAAAaAAAAAAAAAAAAAAAAAAAAAAAAAAAAAAAECcAABAnAAAAAAAAAAAAAAAAAAAAAAAAAAAAAAAAAAAAAAAAAAAAABQAAAAAAAAAwMD/AAAAAABkAAAAMgAAAAAAAABkAAAAAAAAAH9/fwAKAAAAHwAAAFQAAAC74OMF////AQAAAAAAAAAAAAAAAAAAAAAAAAAAAAAAAAAAAAAAAAAAAAAAAn9/fwCAgIADzMzMAMDA/wB/f38AAAAAAAAAAAAAAAAAAAAAAAAAAAAhAAAAGAAAABQAAAAgJwAA9BsAAMouAAAiIgAAEAAAACYAAAAIAAAA//////////8="/>
               </a:ext>
             </a:extLst>
           </p:cNvSpPr>
@@ -4604,7 +4604,7 @@
           <p:cNvSpPr txBox="1">
             <a:extLst>
               <a:ext uri="smNativeData">
-                <pr:smNativeData xmlns:pr="smNativeData" val="SMDATA_13_BbpsXRMAAAAlAAAAEgAAAE8BAAAAkAAAAEgAAACQAAAASAAAAAAAAAAAAAAAAAAAAAEAAABQAAAAAAAAAAAA4D8AAAAAAADgPwAAAAAAAOA/AAAAAAAA4D8AAAAAAADgPwAAAAAAAOA/AAAAAAAA4D8AAAAAAADgPwAAAAAAAOA/AAAAAAAA4D8CAAAAjAAAAAAAAAAAAAAAu+DjDP///wgAAAAAAAAAAAAAAAAAAAAAAAAAAAAAAAAAAAAAZAAAAAEAAABAAAAAAAAAAAAAAAAAAAAAAAAAAAAAAAAAAAAAAAAAAAAAAAAAAAAAAAAAAAAAAAAAAAAAAAAAAAAAAAAAAAAAAAAAAAAAAAAAAAAAAAAAAAAAAAAAAAAAFAAAADwAAAAAAAAAAAAAAAAAAAkUAAAAAQAAABQAAAAUAAAAFAAAAAEAAAAAAAAAZAAAAGQAAAAAAAAAZAAAAGQAAAAVAAAAYAAAAAAAAAAAAAAADwAAACADAAAAAAAAAAAAAAEAAACgMgAAVgcAAKr4//8BAAAAf39/AAEAAABkAAAAAAAAABQAAABAHwAAAAAAACYAAAAAAAAAwOD//wAAAAAmAAAAZAAAABYAAABMAAAAAAAAAAAAAAAEAAAAAAAAAAEAAACAgIAKAAAAACgAAAAoAAAAZAAAAGQAAAAAAAAAzMzMAAAAAABQAAAAUAAAAGQAAABkAAAAAAAAABcAAAAUAAAAAAAAANwIAAD/fwAA/38AAAAAAAAJAAAABAAAAHlsZT4MAAAAEAAAAAAAAAAAAAAAAAAAAAAAAAAeAAAAaAAAAAAAAAAAAAAAAAAAAAAAAAAAAAAAECcAABAnAAAAAAAAAAAAAAAAAAAAAAAAAAAAAAAAAAAAAAAAAAAAABQAAAAAAAAAwMD/AAAAAABkAAAAMgAAAAAAAABkAAAAAAAAAH9/fwAKAAAAHwAAAFQAAAC74OMF////AQAAAAAAAAAAAAAAAAAAAAAAAAAAAAAAAAAAAAAAAAAAAAAAAn9/fwCAgIADzMzMAMDA/wB/f38AAAAAAAAAAAAAAAAAAAAAAAAAAAAhAAAAGAAAABQAAABqBAAA4QgAABY0AAAhCwAAECAAACYAAAAIAAAA//////////8="/>
+                <pr:smNativeData xmlns:pr="smNativeData" val="SMDATA_13_IrKAXRMAAAAlAAAAEgAAAE8BAAAAkAAAAEgAAACQAAAASAAAAAAAAAAAAAAAAAAAAAEAAABQAAAAAAAAAAAA4D8AAAAAAADgPwAAAAAAAOA/AAAAAAAA4D8AAAAAAADgPwAAAAAAAOA/AAAAAAAA4D8AAAAAAADgPwAAAAAAAOA/AAAAAAAA4D8CAAAAjAAAAAAAAAAAAAAAu+DjDP///wgAAAAAAAAAAAAAAAAAAAAAAAAAAAAAAAAAAAAAZAAAAAEAAABAAAAAAAAAAAAAAAAAAAAAAAAAAAAAAAAAAAAAAAAAAAAAAAAAAAAAAAAAAAAAAAAAAAAAAAAAAAAAAAAAAAAAAAAAAAAAAAAAAAAAAAAAAAAAAAAAAAAAFAAAADwAAAAAAAAAAAAAAAAAAAkUAAAAAQAAABQAAAAUAAAAFAAAAAEAAAAAAAAAZAAAAGQAAAAAAAAAZAAAAGQAAAAVAAAAYAAAAAAAAAAAAAAADwAAACADAAAAAAAAAAAAAAEAAACgMgAAVgcAAKr4//8BAAAAf39/AAEAAABkAAAAAAAAABQAAABAHwAAAAAAACYAAAAAAAAAwOD//wAAAAAmAAAAZAAAABYAAABMAAAAAAAAAAAAAAAEAAAAAAAAAAEAAACAgIAKAAAAACgAAAAoAAAAZAAAAGQAAAAAAAAAzMzMAAAAAABQAAAAUAAAAGQAAABkAAAAAAAAABcAAAAUAAAAAAAAANwIAAD/fwAA/38AAAAAAAAJAAAABAAAAHlsZT4MAAAAEAAAAAAAAAAAAAAAAAAAAAAAAAAeAAAAaAAAAAAAAAAAAAAAAAAAAAAAAAAAAAAAECcAABAnAAAAAAAAAAAAAAAAAAAAAAAAAAAAAAAAAAAAAAAAAAAAABQAAAAAAAAAwMD/AAAAAABkAAAAMgAAAAAAAABkAAAAAAAAAH9/fwAKAAAAHwAAAFQAAAC74OMF////AQAAAAAAAAAAAAAAAAAAAAAAAAAAAAAAAAAAAAAAAAAAAAAAAn9/fwCAgIADzMzMAMDA/wB/f38AAAAAAAAAAAAAAAAAAAAAAAAAAAAhAAAAGAAAABQAAABqBAAA4QgAABY0AAAhCwAAECAAACYAAAAIAAAA//////////8="/>
               </a:ext>
             </a:extLst>
           </p:cNvSpPr>
@@ -4650,7 +4650,7 @@
           <p:cNvSpPr>
             <a:extLst>
               <a:ext uri="smNativeData">
-                <pr:smNativeData xmlns:pr="smNativeData" val="SMDATA_13_BbpsXRMAAAAlAAAAZAAAAA8BAAAAkAAAAEgAAACQAAAASAAAAAAAAAAAAAAAAAAAAAEAAABQAAAAAAAAAAAA4D8AAAAAAADgPwAAAAAAAOA/AAAAAAAA4D8AAAAAAADgPwAAAAAAAOA/AAAAAAAA4D8AAAAAAADgPwAAAAAAAOA/AAAAAAAA4D8CAAAAjAAAAAEAAAAAAAAAHh4eAP///wgAAAAAAAAAAAAAAAAAAAAAAAAAAAAAAAAAAAAAZAAAAAEAAABAAAAAAAAAAAAAAAAAAAAAAAAAAAAAAAAAAAAAAAAAAAAAAAAAAAAAAAAAAAAAAAAAAAAAAAAAAAAAAAAAAAAAAAAAAAAAAAAAAAAAAAAAAAAAAAAAAAAAFAAAADwAAAAAAAAAAAAAAAAAAAkAAAAAAQAAAAAAAAAAAAAAAAAAAAAAAAAAAAAAZAAAAGQAAAAAAAAAZAAAAGQAAAAVAAAAYAAAAAAAAAAAAAAADwAAACADAAAAAAAAAAAAAAEAAACgMgAAAAAAAAAAAAABAAAAf39/AAEAAABkAAAAAAAAABQAAABAHwAAAAAAACYAAAAAAAAAwOD//wAAAAAmAAAAZAAAABYAAABMAAAAAAAAAAAAAAAEAAAAAAAAAAEAAACAgIAKAAAAACgAAAAoAAAAZAAAAGQAAAAAAAAAzMzMAAAAAABQAAAAUAAAAGQAAABkAAAAAAAAABcAAAAUAAAAAAAAAAAAAAD/fwAA/38AAAAAAAAJAAAABAAAADAYIQIMAAAAEAAAAAAAAAAAAAAAAAAAAAAAAAAeAAAAaAAAAAAAAAAAAAAAAAAAAAAAAAAAAAAAECcAABAnAAAAAAAAAAAAAAAAAAAAAAAAAAAAAAAAAAAAAAAAAAAAABQAAAAAAAAAwMD/AAAAAABkAAAAMgAAAAAAAABkAAAAAAAAAH9/fwAKAAAAHwAAAFQAAAAeHh4A////AQAAAAAAAAAAAAAAAAAAAAAAAAAAAAAAAAAAAAAAAAAAAAAAAn9/fwCAgIADzMzMAMDA/wB/f38AAAAAAAAAAAAAAAAAAAAAAAAAAAAhAAAAGAAAABQAAAAAAAAAZQcAAEA4AAC4CAAAEAAAACYAAAAIAAAA//////////8="/>
+                <pr:smNativeData xmlns:pr="smNativeData" val="SMDATA_13_IrKAXRMAAAAlAAAAZAAAAA8BAAAAkAAAAEgAAACQAAAASAAAAAAAAAAAAAAAAAAAAAEAAABQAAAAAAAAAAAA4D8AAAAAAADgPwAAAAAAAOA/AAAAAAAA4D8AAAAAAADgPwAAAAAAAOA/AAAAAAAA4D8AAAAAAADgPwAAAAAAAOA/AAAAAAAA4D8CAAAAjAAAAAEAAAAAAAAAHh4eAP///wgAAAAAAAAAAAAAAAAAAAAAAAAAAAAAAAAAAAAAZAAAAAEAAABAAAAAAAAAAAAAAAAAAAAAAAAAAAAAAAAAAAAAAAAAAAAAAAAAAAAAAAAAAAAAAAAAAAAAAAAAAAAAAAAAAAAAAAAAAAAAAAAAAAAAAAAAAAAAAAAAAAAAFAAAADwAAAAAAAAAAAAAAAAAAAkAAAAAAQAAAAAAAAAAAAAAAAAAAAAAAAAAAAAAZAAAAGQAAAAAAAAAZAAAAGQAAAAVAAAAYAAAAAAAAAAAAAAADwAAACADAAAAAAAAAAAAAAEAAACgMgAAAAAAAAAAAAABAAAAf39/AAEAAABkAAAAAAAAABQAAABAHwAAAAAAACYAAAAAAAAAwOD//wAAAAAmAAAAZAAAABYAAABMAAAAAAAAAAAAAAAEAAAAAAAAAAEAAACAgIAKAAAAACgAAAAoAAAAZAAAAGQAAAAAAAAAzMzMAAAAAABQAAAAUAAAAGQAAABkAAAAAAAAABcAAAAUAAAAAAAAAAAAAAD/fwAA/38AAAAAAAAJAAAABAAAADAYIQIMAAAAEAAAAAAAAAAAAAAAAAAAAAAAAAAeAAAAaAAAAAAAAAAAAAAAAAAAAAAAAAAAAAAAECcAABAnAAAAAAAAAAAAAAAAAAAAAAAAAAAAAAAAAAAAAAAAAAAAABQAAAAAAAAAwMD/AAAAAABkAAAAMgAAAAAAAABkAAAAAAAAAH9/fwAKAAAAHwAAAFQAAAAeHh4A////AQAAAAAAAAAAAAAAAAAAAAAAAAAAAAAAAAAAAAAAAAAAAAAAAn9/fwCAgIADzMzMAMDA/wB/f38AAAAAAAAAAAAAAAAAAAAAAAAAAAAhAAAAGAAAABQAAAAAAAAAZQcAAEA4AAC4CAAAEAAAACYAAAAIAAAA//////////8="/>
               </a:ext>
             </a:extLst>
           </p:cNvSpPr>
@@ -4680,7 +4680,7 @@
             <a:picLocks noChangeAspect="1"/>
             <a:extLst>
               <a:ext uri="smNativeData">
-                <pr:smNativeData xmlns:pr="smNativeData" val="SMDATA_15_BbpsXRMAAAAlAAAAEQAAAC8BAAAAkAAAAEgAAACQAAAASAAAAAAAAAAAAAAAAAAAAAEAAABQAAAAAAAAAAAA4D8AAAAAAADgPwAAAAAAAOA/AAAAAAAA4D8AAAAAAADgPwAAAAAAAOA/AAAAAAAA4D8AAAAAAADgPwAAAAAAAOA/AAAAAAAA4D8CAAAAjAAAAAAAAAAAAAAAu+DjDP///wgAAAAAAAAAAAAAAAAAAAAAAAAAAAAAAAAAAAAAZAAAAAEAAABAAAAAAAAAAAAAAAAAAAAAAAAAAAAAAAAAAAAAAAAAAAAAAAAAAAAAAAAAAAAAAAAAAAAAAAAAAAAAAAAAAAAAAAAAAAAAAAAAAAAAAAAAAAAAAAAAAAAAFAAAADwAAAAAAAAAAAAAAAAAAAkUAAAAAQAAABQAAAAUAAAAFAAAAAEAAAAAAAAAZAAAAGQAAAAAAAAAZAAAAGQAAAAVAAAAYAAAAAAAAAAAAAAADwAAACADAAAAAAAAAAAAAAEAAACgMgAAVgcAAKr4//8BAAAAf39/AAEAAABkAAAAAAAAABQAAABAHwAAAAAAACYAAAAAAAAAwOD//wAAAAAmAAAAZAAAABYAAABMAAAAAAAAAAAAAAAEAAAAAAAAAAEAAACAgIAKAAAAACgAAAAoAAAAZAAAAGQAAAAAAAAAzMzMAAAAAABQAAAAUAAAAGQAAABkAAAAAAAAAAcAAAA4AAAAAAAAAAAAAAAAAAAA////AAAAAAAAAAAAAAAAAAAAAAAAAAAAAAAAAAAAAABkAAAAZAAAAAAAAAAjAAAABAAAAGQAAAAXAAAAFAAAAAAAAAAAAAAA/38AAP9/AAAAAAAACQAAAAQAAAAAAAAADAAAABAAAAAAAAAAAAAAAAAAAAAAAAAAHgAAAGgAAAAAAAAAAAAAAAAAAAAAAAAAAAAAABAnAAAQJwAAAAAAAAAAAAAAAAAAAAAAAAAAAAAAAAAAAAAAAAAAAAAUAAAAAAAAAMDA/wAAAAAAZAAAADIAAAAAAAAAZAAAAAAAAAB/f38ACgAAAB8AAABUAAAAu+DjBf///wEAAAAAAAAAAAAAAAAAAAAAAAAAAAAAAAAAAAAAAAAAAAAAAAJ/f38AgICAA8zMzADAwP8Af39/AAAAAAAAAAAAAAAAAP///wAAAAAAIQAAABgAAAAUAAAAJwUAAK0HAABpNQAATyoAABAAAAAmAAAACAAAAP//////////"/>
+                <pr:smNativeData xmlns:pr="smNativeData" val="SMDATA_15_IrKAXRMAAAAlAAAAEQAAAC8BAAAAkAAAAEgAAACQAAAASAAAAAAAAAAAAAAAAAAAAAEAAABQAAAAAAAAAAAA4D8AAAAAAADgPwAAAAAAAOA/AAAAAAAA4D8AAAAAAADgPwAAAAAAAOA/AAAAAAAA4D8AAAAAAADgPwAAAAAAAOA/AAAAAAAA4D8CAAAAjAAAAAAAAAAAAAAAu+DjDP///wgAAAAAAAAAAAAAAAAAAAAAAAAAAAAAAAAAAAAAZAAAAAEAAABAAAAAAAAAAAAAAAAAAAAAAAAAAAAAAAAAAAAAAAAAAAAAAAAAAAAAAAAAAAAAAAAAAAAAAAAAAAAAAAAAAAAAAAAAAAAAAAAAAAAAAAAAAAAAAAAAAAAAFAAAADwAAAAAAAAAAAAAAAAAAAkUAAAAAQAAABQAAAAUAAAAFAAAAAEAAAAAAAAAZAAAAGQAAAAAAAAAZAAAAGQAAAAVAAAAYAAAAAAAAAAAAAAADwAAACADAAAAAAAAAAAAAAEAAACgMgAAVgcAAKr4//8BAAAAf39/AAEAAABkAAAAAAAAABQAAABAHwAAAAAAACYAAAAAAAAAwOD//wAAAAAmAAAAZAAAABYAAABMAAAAAAAAAAAAAAAEAAAAAAAAAAEAAACAgIAKAAAAACgAAAAoAAAAZAAAAGQAAAAAAAAAzMzMAAAAAABQAAAAUAAAAGQAAABkAAAAAAAAAAcAAAA4AAAAAAAAAAAAAAAAAAAA////AAAAAAAAAAAAAAAAAAAAAAAAAAAAAAAAAAAAAABkAAAAZAAAAAAAAAAjAAAABAAAAGQAAAAXAAAAFAAAAAAAAAAAAAAA/38AAP9/AAAAAAAACQAAAAQAAAAAAAAADAAAABAAAAAAAAAAAAAAAAAAAAAAAAAAHgAAAGgAAAAAAAAAAAAAAAAAAAAAAAAAAAAAABAnAAAQJwAAAAAAAAAAAAAAAAAAAAAAAAAAAAAAAAAAAAAAAAAAAAAUAAAAAAAAAMDA/wAAAAAAZAAAADIAAAAAAAAAZAAAAAAAAAB/f38ACgAAAB8AAABUAAAAu+DjBf///wEAAAAAAAAAAAAAAAAAAAAAAAAAAAAAAAAAAAAAAAAAAAAAAAJ/f38AgICAA8zMzADAwP8Af39/AAAAAAAAAAAAAAAAAP///wAAAAAAIQAAABgAAAAUAAAAJwUAAK0HAABpNQAATyoAABAAAAAmAAAACAAAAP//////////"/>
               </a:ext>
             </a:extLst>
           </p:cNvPicPr>
@@ -4713,7 +4713,7 @@
           <p:cNvSpPr txBox="1">
             <a:extLst>
               <a:ext uri="smNativeData">
-                <pr:smNativeData xmlns:pr="smNativeData" val="SMDATA_13_BbpsXRMAAAAlAAAAEgAAAE8BAAAAkAAAAEgAAACQAAAASAAAAAAAAAAAAAAAAAAAAAEAAABQAAAAAAAAAAAA4D8AAAAAAADgPwAAAAAAAOA/AAAAAAAA4D8AAAAAAADgPwAAAAAAAOA/AAAAAAAA4D8AAAAAAADgPwAAAAAAAOA/AAAAAAAA4D8CAAAAjAAAAAAAAAAAAAAAu+DjDP///wgAAAAAAAAAAAAAAAAAAAAAAAAAAAAAAAAAAAAAZAAAAAEAAABAAAAAAAAAAAAAAAAAAAAAAAAAAAAAAAAAAAAAAAAAAAAAAAAAAAAAAAAAAAAAAAAAAAAAAAAAAAAAAAAAAAAAAAAAAAAAAAAAAAAAAAAAAAAAAAAAAAAAFAAAADwAAAAAAAAAAAAAAAAAAAkUAAAAAQAAABQAAAAUAAAAFAAAAAEAAAAAAAAAZAAAAGQAAAAAAAAAZAAAAGQAAAAVAAAAYAAAAAAAAAAAAAAADwAAACADAAAAAAAAAAAAAAEAAACgMgAAVgcAAKr4//8BAAAAf39/AAEAAABkAAAAAAAAABQAAABAHwAAAAAAACYAAAAAAAAAwOD//wAAAAAmAAAAZAAAABYAAABMAAAAAAAAAAAAAAAEAAAAAAAAAAEAAACAgIAKAAAAACgAAAAoAAAAZAAAAGQAAAAAAAAAzMzMAAAAAABQAAAAUAAAAGQAAABkAAAAAAAAABcAAAAUAAAAAAAAANwIAAD/fwAA/38AAAAAAAAJAAAABAAAAGxyIHYMAAAAEAAAAAAAAAAAAAAAAAAAAAAAAAAeAAAAaAAAAAAAAAAAAAAAAAAAAAAAAAAAAAAAECcAABAnAAAAAAAAAAAAAAAAAAAAAAAAAAAAAAAAAAAAAAAAAAAAABQAAAAAAAAAwMD/AAAAAABkAAAAMgAAAAAAAABkAAAAAAAAAH9/fwAKAAAAHwAAAFQAAAC74OMF////AQAAAAAAAAAAAAAAAAAAAAAAAAAAAAAAAAAAAAAAAAAAAAAAAn9/fwCAgIADzMzMAMDA/wB/f38AAAAAAAAAAAAAAAAAAAAAAAAAAAAhAAAAGAAAABQAAAB7FwAABREAALAZAABFEwAAECAAACYAAAAIAAAA//////////8="/>
+                <pr:smNativeData xmlns:pr="smNativeData" val="SMDATA_13_IrKAXRMAAAAlAAAAEgAAAE8BAAAAkAAAAEgAAACQAAAASAAAAAAAAAAAAAAAAAAAAAEAAABQAAAAAAAAAAAA4D8AAAAAAADgPwAAAAAAAOA/AAAAAAAA4D8AAAAAAADgPwAAAAAAAOA/AAAAAAAA4D8AAAAAAADgPwAAAAAAAOA/AAAAAAAA4D8CAAAAjAAAAAAAAAAAAAAAu+DjDP///wgAAAAAAAAAAAAAAAAAAAAAAAAAAAAAAAAAAAAAZAAAAAEAAABAAAAAAAAAAAAAAAAAAAAAAAAAAAAAAAAAAAAAAAAAAAAAAAAAAAAAAAAAAAAAAAAAAAAAAAAAAAAAAAAAAAAAAAAAAAAAAAAAAAAAAAAAAAAAAAAAAAAAFAAAADwAAAAAAAAAAAAAAAAAAAkUAAAAAQAAABQAAAAUAAAAFAAAAAEAAAAAAAAAZAAAAGQAAAAAAAAAZAAAAGQAAAAVAAAAYAAAAAAAAAAAAAAADwAAACADAAAAAAAAAAAAAAEAAACgMgAAVgcAAKr4//8BAAAAf39/AAEAAABkAAAAAAAAABQAAABAHwAAAAAAACYAAAAAAAAAwOD//wAAAAAmAAAAZAAAABYAAABMAAAAAAAAAAAAAAAEAAAAAAAAAAEAAACAgIAKAAAAACgAAAAoAAAAZAAAAGQAAAAAAAAAzMzMAAAAAABQAAAAUAAAAGQAAABkAAAAAAAAABcAAAAUAAAAAAAAANwIAAD/fwAA/38AAAAAAAAJAAAABAAAAGxyIHYMAAAAEAAAAAAAAAAAAAAAAAAAAAAAAAAeAAAAaAAAAAAAAAAAAAAAAAAAAAAAAAAAAAAAECcAABAnAAAAAAAAAAAAAAAAAAAAAAAAAAAAAAAAAAAAAAAAAAAAABQAAAAAAAAAwMD/AAAAAABkAAAAMgAAAAAAAABkAAAAAAAAAH9/fwAKAAAAHwAAAFQAAAC74OMF////AQAAAAAAAAAAAAAAAAAAAAAAAAAAAAAAAAAAAAAAAAAAAAAAAn9/fwCAgIADzMzMAMDA/wB/f38AAAAAAAAAAAAAAAAAAAAAAAAAAAAhAAAAGAAAABQAAAB7FwAABREAALAZAABFEwAAECAAACYAAAAIAAAA//////////8="/>
               </a:ext>
             </a:extLst>
           </p:cNvSpPr>
@@ -4759,7 +4759,7 @@
           <p:cNvSpPr txBox="1">
             <a:extLst>
               <a:ext uri="smNativeData">
-                <pr:smNativeData xmlns:pr="smNativeData" val="SMDATA_13_BbpsXRMAAAAlAAAAEgAAAE8BAAAAkAAAAEgAAACQAAAASAAAAAAAAAAAAAAAAAAAAAEAAABQAAAAAAAAAAAA4D8AAAAAAADgPwAAAAAAAOA/AAAAAAAA4D8AAAAAAADgPwAAAAAAAOA/AAAAAAAA4D8AAAAAAADgPwAAAAAAAOA/AAAAAAAA4D8CAAAAjAAAAAAAAAAAAAAAu+DjDP///wgAAAAAAAAAAAAAAAAAAAAAAAAAAAAAAAAAAAAAZAAAAAEAAABAAAAAAAAAAAAAAAAAAAAAAAAAAAAAAAAAAAAAAAAAAAAAAAAAAAAAAAAAAAAAAAAAAAAAAAAAAAAAAAAAAAAAAAAAAAAAAAAAAAAAAAAAAAAAAAAAAAAAFAAAADwAAAAAAAAAAAAAAAAAAAkUAAAAAQAAABQAAAAUAAAAFAAAAAEAAAAAAAAAZAAAAGQAAAAAAAAAZAAAAGQAAAAVAAAAYAAAAAAAAAAAAAAADwAAACADAAAAAAAAAAAAAAEAAACgMgAAVgcAAKr4//8BAAAAf39/AAEAAABkAAAAAAAAABQAAABAHwAAAAAAACYAAAAAAAAAwOD//wAAAAAmAAAAZAAAABYAAABMAAAAAAAAAAAAAAAEAAAAAAAAAAEAAACAgIAKAAAAACgAAAAoAAAAZAAAAGQAAAAAAAAAzMzMAAAAAABQAAAAUAAAAGQAAABkAAAAAAAAABcAAAAUAAAAAAAAANwIAAD/fwAA/38AAAAAAAAJAAAABAAAAAAAAAAMAAAAEAAAAAAAAAAAAAAAAAAAAAAAAAAeAAAAaAAAAAAAAAAAAAAAAAAAAAAAAAAAAAAAECcAABAnAAAAAAAAAAAAAAAAAAAAAAAAAAAAAAAAAAAAAAAAAAAAABQAAAAAAAAAwMD/AAAAAABkAAAAMgAAAAAAAABkAAAAAAAAAH9/fwAKAAAAHwAAAFQAAAC74OMF////AQAAAAAAAAAAAAAAAAAAAAAAAAAAAAAAAAAAAAAAAAAAAAAAAn9/fwCAgIADzMzMAMDA/wB/f38AAAAAAAAAAAAAAAAAAAAAAAAAAAAhAAAAGAAAABQAAAAZIwAA6xAAAE4lAAArEwAAECAAACYAAAAIAAAA//////////8="/>
+                <pr:smNativeData xmlns:pr="smNativeData" val="SMDATA_13_IrKAXRMAAAAlAAAAEgAAAE8BAAAAkAAAAEgAAACQAAAASAAAAAAAAAAAAAAAAAAAAAEAAABQAAAAAAAAAAAA4D8AAAAAAADgPwAAAAAAAOA/AAAAAAAA4D8AAAAAAADgPwAAAAAAAOA/AAAAAAAA4D8AAAAAAADgPwAAAAAAAOA/AAAAAAAA4D8CAAAAjAAAAAAAAAAAAAAAu+DjDP///wgAAAAAAAAAAAAAAAAAAAAAAAAAAAAAAAAAAAAAZAAAAAEAAABAAAAAAAAAAAAAAAAAAAAAAAAAAAAAAAAAAAAAAAAAAAAAAAAAAAAAAAAAAAAAAAAAAAAAAAAAAAAAAAAAAAAAAAAAAAAAAAAAAAAAAAAAAAAAAAAAAAAAFAAAADwAAAAAAAAAAAAAAAAAAAkUAAAAAQAAABQAAAAUAAAAFAAAAAEAAAAAAAAAZAAAAGQAAAAAAAAAZAAAAGQAAAAVAAAAYAAAAAAAAAAAAAAADwAAACADAAAAAAAAAAAAAAEAAACgMgAAVgcAAKr4//8BAAAAf39/AAEAAABkAAAAAAAAABQAAABAHwAAAAAAACYAAAAAAAAAwOD//wAAAAAmAAAAZAAAABYAAABMAAAAAAAAAAAAAAAEAAAAAAAAAAEAAACAgIAKAAAAACgAAAAoAAAAZAAAAGQAAAAAAAAAzMzMAAAAAABQAAAAUAAAAGQAAABkAAAAAAAAABcAAAAUAAAAAAAAANwIAAD/fwAA/38AAAAAAAAJAAAABAAAAAAAAAAMAAAAEAAAAAAAAAAAAAAAAAAAAAAAAAAeAAAAaAAAAAAAAAAAAAAAAAAAAAAAAAAAAAAAECcAABAnAAAAAAAAAAAAAAAAAAAAAAAAAAAAAAAAAAAAAAAAAAAAABQAAAAAAAAAwMD/AAAAAABkAAAAMgAAAAAAAABkAAAAAAAAAH9/fwAKAAAAHwAAAFQAAAC74OMF////AQAAAAAAAAAAAAAAAAAAAAAAAAAAAAAAAAAAAAAAAAAAAAAAAn9/fwCAgIADzMzMAMDA/wB/f38AAAAAAAAAAAAAAAAAAAAAAAAAAAAhAAAAGAAAABQAAAAZIwAA6xAAAE4lAAArEwAAECAAACYAAAAIAAAA//////////8="/>
               </a:ext>
             </a:extLst>
           </p:cNvSpPr>
@@ -4805,7 +4805,7 @@
           <p:cNvSpPr txBox="1">
             <a:extLst>
               <a:ext uri="smNativeData">
-                <pr:smNativeData xmlns:pr="smNativeData" val="SMDATA_13_BbpsXRMAAAAlAAAAEgAAAE8BAAAAkAAAAEgAAACQAAAASAAAAAAAAAAAAAAAAAAAAAEAAABQAAAAAAAAAAAA4D8AAAAAAADgPwAAAAAAAOA/AAAAAAAA4D8AAAAAAADgPwAAAAAAAOA/AAAAAAAA4D8AAAAAAADgPwAAAAAAAOA/AAAAAAAA4D8CAAAAjAAAAAAAAAAAAAAAu+DjDP///wgAAAAAAAAAAAAAAAAAAAAAAAAAAAAAAAAAAAAAZAAAAAEAAABAAAAAAAAAAAAAAAAAAAAAAAAAAAAAAAAAAAAAAAAAAAAAAAAAAAAAAAAAAAAAAAAAAAAAAAAAAAAAAAAAAAAAAAAAAAAAAAAAAAAAAAAAAAAAAAAAAAAAFAAAADwAAAAAAAAAAAAAAAAAAAkUAAAAAQAAABQAAAAUAAAAFAAAAAEAAAAAAAAAZAAAAGQAAAAAAAAAZAAAAGQAAAAVAAAAYAAAAAAAAAAAAAAADwAAACADAAAAAAAAAAAAAAEAAACgMgAAVgcAAKr4//8BAAAAf39/AAEAAABkAAAAAAAAABQAAABAHwAAAAAAACYAAAAAAAAAwOD//wAAAAAmAAAAZAAAABYAAABMAAAAAAAAAAAAAAAEAAAAAAAAAAEAAACAgIAKAAAAACgAAAAoAAAAZAAAAGQAAAAAAAAAzMzMAAAAAABQAAAAUAAAAGQAAABkAAAAAAAAABcAAAAUAAAAAAAAANwIAAD/fwAA/38AAAAAAAAJAAAABAAAAAAAAAAMAAAAEAAAAAAAAAAAAAAAAAAAAAAAAAAeAAAAaAAAAAAAAAAAAAAAAAAAAAAAAAAAAAAAECcAABAnAAAAAAAAAAAAAAAAAAAAAAAAAAAAAAAAAAAAAAAAAAAAABQAAAAAAAAAwMD/AAAAAABkAAAAMgAAAAAAAABkAAAAAAAAAH9/fwAKAAAAHwAAAFQAAAC74OMF////AQAAAAAAAAAAAAAAAAAAAAAAAAAAAAAAAAAAAAAAAAAAAAAAAn9/fwCAgIADzMzMAMDA/wB/f38AAAAAAAAAAAAAAAAAAAAAAAAAAAAhAAAAGAAAABQAAABiLgAAgQwAAJcwAADBDgAAECAAACYAAAAIAAAA//////////8="/>
+                <pr:smNativeData xmlns:pr="smNativeData" val="SMDATA_13_IrKAXRMAAAAlAAAAEgAAAE8BAAAAkAAAAEgAAACQAAAASAAAAAAAAAAAAAAAAAAAAAEAAABQAAAAAAAAAAAA4D8AAAAAAADgPwAAAAAAAOA/AAAAAAAA4D8AAAAAAADgPwAAAAAAAOA/AAAAAAAA4D8AAAAAAADgPwAAAAAAAOA/AAAAAAAA4D8CAAAAjAAAAAAAAAAAAAAAu+DjDP///wgAAAAAAAAAAAAAAAAAAAAAAAAAAAAAAAAAAAAAZAAAAAEAAABAAAAAAAAAAAAAAAAAAAAAAAAAAAAAAAAAAAAAAAAAAAAAAAAAAAAAAAAAAAAAAAAAAAAAAAAAAAAAAAAAAAAAAAAAAAAAAAAAAAAAAAAAAAAAAAAAAAAAFAAAADwAAAAAAAAAAAAAAAAAAAkUAAAAAQAAABQAAAAUAAAAFAAAAAEAAAAAAAAAZAAAAGQAAAAAAAAAZAAAAGQAAAAVAAAAYAAAAAAAAAAAAAAADwAAACADAAAAAAAAAAAAAAEAAACgMgAAVgcAAKr4//8BAAAAf39/AAEAAABkAAAAAAAAABQAAABAHwAAAAAAACYAAAAAAAAAwOD//wAAAAAmAAAAZAAAABYAAABMAAAAAAAAAAAAAAAEAAAAAAAAAAEAAACAgIAKAAAAACgAAAAoAAAAZAAAAGQAAAAAAAAAzMzMAAAAAABQAAAAUAAAAGQAAABkAAAAAAAAABcAAAAUAAAAAAAAANwIAAD/fwAA/38AAAAAAAAJAAAABAAAAAAAAAAMAAAAEAAAAAAAAAAAAAAAAAAAAAAAAAAeAAAAaAAAAAAAAAAAAAAAAAAAAAAAAAAAAAAAECcAABAnAAAAAAAAAAAAAAAAAAAAAAAAAAAAAAAAAAAAAAAAAAAAABQAAAAAAAAAwMD/AAAAAABkAAAAMgAAAAAAAABkAAAAAAAAAH9/fwAKAAAAHwAAAFQAAAC74OMF////AQAAAAAAAAAAAAAAAAAAAAAAAAAAAAAAAAAAAAAAAAAAAAAAAn9/fwCAgIADzMzMAMDA/wB/f38AAAAAAAAAAAAAAAAAAAAAAAAAAAAhAAAAGAAAABQAAABiLgAAgQwAAJcwAADBDgAAECAAACYAAAAIAAAA//////////8="/>
               </a:ext>
             </a:extLst>
           </p:cNvSpPr>
@@ -4851,7 +4851,7 @@
           <p:cNvSpPr txBox="1">
             <a:extLst>
               <a:ext uri="smNativeData">
-                <pr:smNativeData xmlns:pr="smNativeData" val="SMDATA_13_BbpsXRMAAAAlAAAAEgAAAE8BAAAAkAAAAEgAAACQAAAASAAAAAAAAAAAAAAAAAAAAAEAAABQAAAAAAAAAAAA4D8AAAAAAADgPwAAAAAAAOA/AAAAAAAA4D8AAAAAAADgPwAAAAAAAOA/AAAAAAAA4D8AAAAAAADgPwAAAAAAAOA/AAAAAAAA4D8CAAAAjAAAAAAAAAAAAAAAu+DjDP///wgAAAAAAAAAAAAAAAAAAAAAAAAAAAAAAAAAAAAAZAAAAAEAAABAAAAAAAAAAAAAAAAAAAAAAAAAAAAAAAAAAAAAAAAAAAAAAAAAAAAAAAAAAAAAAAAAAAAAAAAAAAAAAAAAAAAAAAAAAAAAAAAAAAAAAAAAAAAAAAAAAAAAFAAAADwAAAAAAAAAAAAAAAAAAAkUAAAAAQAAABQAAAAUAAAAFAAAAAEAAAAAAAAAZAAAAGQAAAAAAAAAZAAAAGQAAAAVAAAAYAAAAAAAAAAAAAAADwAAACADAAAAAAAAAAAAAAEAAACgMgAAVgcAAKr4//8BAAAAf39/AAEAAABkAAAAAAAAABQAAABAHwAAAAAAACYAAAAAAAAAwOD//wAAAAAmAAAAZAAAABYAAABMAAAAAAAAAAAAAAAEAAAAAAAAAAEAAACAgIAKAAAAACgAAAAoAAAAZAAAAGQAAAAAAAAAzMzMAAAAAABQAAAAUAAAAGQAAABkAAAAAAAAABcAAAAUAAAAAAAAANwIAAD/fwAA/38AAAAAAAAJAAAABAAAAAAAAAAMAAAAEAAAAAAAAAAAAAAAAAAAAAAAAAAeAAAAaAAAAAAAAAAAAAAAAAAAAAAAAAAAAAAAECcAABAnAAAAAAAAAAAAAAAAAAAAAAAAAAAAAAAAAAAAAAAAAAAAABQAAAAAAAAAwMD/AAAAAABkAAAAMgAAAAAAAABkAAAAAAAAAH9/fwAKAAAAHwAAAFQAAAC74OMF////AQAAAAAAAAAAAAAAAAAAAAAAAAAAAAAAAAAAAAAAAAAAAAAAAn9/fwCAgIADzMzMAMDA/wB/f38AAAAAAAAAAAAAAAAAAAAAAAAAAAAhAAAAGAAAABQAAADYGwAAgh4AAJUhAADCIAAAECAAACYAAAAIAAAA//////////8="/>
+                <pr:smNativeData xmlns:pr="smNativeData" val="SMDATA_13_IrKAXRMAAAAlAAAAEgAAAE8BAAAAkAAAAEgAAACQAAAASAAAAAAAAAAAAAAAAAAAAAEAAABQAAAAAAAAAAAA4D8AAAAAAADgPwAAAAAAAOA/AAAAAAAA4D8AAAAAAADgPwAAAAAAAOA/AAAAAAAA4D8AAAAAAADgPwAAAAAAAOA/AAAAAAAA4D8CAAAAjAAAAAAAAAAAAAAAu+DjDP///wgAAAAAAAAAAAAAAAAAAAAAAAAAAAAAAAAAAAAAZAAAAAEAAABAAAAAAAAAAAAAAAAAAAAAAAAAAAAAAAAAAAAAAAAAAAAAAAAAAAAAAAAAAAAAAAAAAAAAAAAAAAAAAAAAAAAAAAAAAAAAAAAAAAAAAAAAAAAAAAAAAAAAFAAAADwAAAAAAAAAAAAAAAAAAAkUAAAAAQAAABQAAAAUAAAAFAAAAAEAAAAAAAAAZAAAAGQAAAAAAAAAZAAAAGQAAAAVAAAAYAAAAAAAAAAAAAAADwAAACADAAAAAAAAAAAAAAEAAACgMgAAVgcAAKr4//8BAAAAf39/AAEAAABkAAAAAAAAABQAAABAHwAAAAAAACYAAAAAAAAAwOD//wAAAAAmAAAAZAAAABYAAABMAAAAAAAAAAAAAAAEAAAAAAAAAAEAAACAgIAKAAAAACgAAAAoAAAAZAAAAGQAAAAAAAAAzMzMAAAAAABQAAAAUAAAAGQAAABkAAAAAAAAABcAAAAUAAAAAAAAANwIAAD/fwAA/38AAAAAAAAJAAAABAAAAAAAAAAMAAAAEAAAAAAAAAAAAAAAAAAAAAAAAAAeAAAAaAAAAAAAAAAAAAAAAAAAAAAAAAAAAAAAECcAABAnAAAAAAAAAAAAAAAAAAAAAAAAAAAAAAAAAAAAAAAAAAAAABQAAAAAAAAAwMD/AAAAAABkAAAAMgAAAAAAAABkAAAAAAAAAH9/fwAKAAAAHwAAAFQAAAC74OMF////AQAAAAAAAAAAAAAAAAAAAAAAAAAAAAAAAAAAAAAAAAAAAAAAAn9/fwCAgIADzMzMAMDA/wB/f38AAAAAAAAAAAAAAAAAAAAAAAAAAAAhAAAAGAAAABQAAADYGwAAgh4AAJUhAADCIAAAECAAACYAAAAIAAAA//////////8="/>
               </a:ext>
             </a:extLst>
           </p:cNvSpPr>
@@ -4897,7 +4897,7 @@
           <p:cNvSpPr txBox="1">
             <a:extLst>
               <a:ext uri="smNativeData">
-                <pr:smNativeData xmlns:pr="smNativeData" val="SMDATA_13_BbpsXRMAAAAlAAAAEgAAAA8BAAAAkAAAAEgAAACQAAAASAAAAAAAAAAAAAAAAAAAAAEAAABQAAAAAAAAAAAA4D8AAAAAAADgPwAAAAAAAOA/AAAAAAAA4D8AAAAAAADgPwAAAAAAAOA/AAAAAAAA4D8AAAAAAADgPwAAAAAAAOA/AAAAAAAA4D8CAAAAjAAAAAAAAAAAAAAAu+DjDP///wgAAAAAAAAAAAAAAAAAAAAAAAAAAAAAAAAAAAAAZAAAAAEAAABAAAAAAAAAAAAAAAAAAAAAAAAAAAAAAAAAAAAAAAAAAAAAAAAAAAAAAAAAAAAAAAAAAAAAAAAAAAAAAAAAAAAAAAAAAAAAAAAAAAAAAAAAAAAAAAAAAAAAFAAAADwAAAAAAAAAAAAAAAAAAAkUAAAAAQAAABQAAAAUAAAAFAAAAAEAAAAAAAAAZAAAAGQAAAAAAAAAZAAAAGQAAAAVAAAAYAAAAAAAAAAAAAAADwAAACADAAAAAAAAAAAAAAEAAACgMgAAVgcAAKr4//8BAAAAf39/AAEAAABkAAAAAAAAABQAAABAHwAAAAAAACYAAAAAAAAAwOD//wAAAAAmAAAAZAAAABYAAABMAAAAAAAAAAAAAAAEAAAAAAAAAAEAAACAgIAKAAAAACgAAAAoAAAAZAAAAGQAAAAAAAAAzMzMAAAAAABQAAAAUAAAAGQAAABkAAAAAAAAABcAAAAUAAAAAAAAANwIAAD/fwAA/38AAAAAAAAJAAAABAAAADAYIQIMAAAAEAAAAAAAAAAAAAAAAAAAAAAAAAAeAAAAaAAAAAAAAAAAAAAAAAAAAAAAAAAAAAAAECcAABAnAAAAAAAAAAAAAAAAAAAAAAAAAAAAAAAAAAAAAAAAAAAAABQAAAAAAAAAwMD/AAAAAABkAAAAMgAAAAAAAABkAAAAAAAAAH9/fwAKAAAAHwAAAFQAAAC74OMF////AQAAAAAAAAAAAAAAAAAAAAAAAAAAAAAAAAAAAAAAAAAAAAAAAn9/fwCAgIADzMzMAMDA/wB/f38AAAAAAAAAAAAAAAAAAAAAAAAAAAAhAAAAGAAAABQAAACFJQAA3yIAAEA4AAAwKgAAEAAAACYAAAAIAAAA//////////8="/>
+                <pr:smNativeData xmlns:pr="smNativeData" val="SMDATA_13_IrKAXRMAAAAlAAAAEgAAAA8BAAAAkAAAAEgAAACQAAAASAAAAAAAAAAAAAAAAAAAAAEAAABQAAAAAAAAAAAA4D8AAAAAAADgPwAAAAAAAOA/AAAAAAAA4D8AAAAAAADgPwAAAAAAAOA/AAAAAAAA4D8AAAAAAADgPwAAAAAAAOA/AAAAAAAA4D8CAAAAjAAAAAAAAAAAAAAAu+DjDP///wgAAAAAAAAAAAAAAAAAAAAAAAAAAAAAAAAAAAAAZAAAAAEAAABAAAAAAAAAAAAAAAAAAAAAAAAAAAAAAAAAAAAAAAAAAAAAAAAAAAAAAAAAAAAAAAAAAAAAAAAAAAAAAAAAAAAAAAAAAAAAAAAAAAAAAAAAAAAAAAAAAAAAFAAAADwAAAAAAAAAAAAAAAAAAAkUAAAAAQAAABQAAAAUAAAAFAAAAAEAAAAAAAAAZAAAAGQAAAAAAAAAZAAAAGQAAAAVAAAAYAAAAAAAAAAAAAAADwAAACADAAAAAAAAAAAAAAEAAACgMgAAVgcAAKr4//8BAAAAf39/AAEAAABkAAAAAAAAABQAAABAHwAAAAAAACYAAAAAAAAAwOD//wAAAAAmAAAAZAAAABYAAABMAAAAAAAAAAAAAAAEAAAAAAAAAAEAAACAgIAKAAAAACgAAAAoAAAAZAAAAGQAAAAAAAAAzMzMAAAAAABQAAAAUAAAAGQAAABkAAAAAAAAABcAAAAUAAAAAAAAANwIAAD/fwAA/38AAAAAAAAJAAAABAAAADAYIQIMAAAAEAAAAAAAAAAAAAAAAAAAAAAAAAAeAAAAaAAAAAAAAAAAAAAAAAAAAAAAAAAAAAAAECcAABAnAAAAAAAAAAAAAAAAAAAAAAAAAAAAAAAAAAAAAAAAAAAAABQAAAAAAAAAwMD/AAAAAABkAAAAMgAAAAAAAABkAAAAAAAAAH9/fwAKAAAAHwAAAFQAAAC74OMF////AQAAAAAAAAAAAAAAAAAAAAAAAAAAAAAAAAAAAAAAAAAAAAAAAn9/fwCAgIADzMzMAMDA/wB/f38AAAAAAAAAAAAAAAAAAAAAAAAAAAAhAAAAGAAAABQAAACFJQAA3yIAAEA4AAAwKgAAEAAAACYAAAAIAAAA//////////8="/>
               </a:ext>
             </a:extLst>
           </p:cNvSpPr>
@@ -5006,7 +5006,7 @@
           <p:cNvSpPr txBox="1">
             <a:extLst>
               <a:ext uri="smNativeData">
-                <pr:smNativeData xmlns:pr="smNativeData" val="SMDATA_13_BbpsXRMAAAAlAAAAEgAAAE8BAAAAkAAAAEgAAACQAAAASAAAAAAAAAAAAAAAAAAAAAEAAABQAAAAAAAAAAAA4D8AAAAAAADgPwAAAAAAAOA/AAAAAAAA4D8AAAAAAADgPwAAAAAAAOA/AAAAAAAA4D8AAAAAAADgPwAAAAAAAOA/AAAAAAAA4D8CAAAAjAAAAAAAAAAAAAAAu+DjDP///wgAAAAAAAAAAAAAAAAAAAAAAAAAAAAAAAAAAAAAZAAAAAEAAABAAAAAAAAAAAAAAAAAAAAAAAAAAAAAAAAAAAAAAAAAAAAAAAAAAAAAAAAAAAAAAAAAAAAAAAAAAAAAAAAAAAAAAAAAAAAAAAAAAAAAAAAAAAAAAAAAAAAAFAAAADwAAAAAAAAAAAAAAAAAAAkUAAAAAQAAABQAAAAUAAAAFAAAAAEAAAAAAAAAZAAAAGQAAAAAAAAAZAAAAGQAAAAVAAAAYAAAAAAAAAAAAAAADwAAACADAAAAAAAAAAAAAAEAAACgMgAAVgcAAKr4//8BAAAAf39/AAEAAABkAAAAAAAAABQAAABAHwAAAAAAACYAAAAAAAAAwOD//wAAAAAmAAAAZAAAABYAAABMAAAAAAAAAAAAAAAEAAAAAAAAAAEAAACAgIAKAAAAACgAAAAoAAAAZAAAAGQAAAAAAAAAzMzMAAAAAABQAAAAUAAAAGQAAABkAAAAAAAAABcAAAAUAAAAAAAAANwIAAD/fwAA/38AAAAAAAAJAAAABAAAAHlsZT4MAAAAEAAAAAAAAAAAAAAAAAAAAAAAAAAeAAAAaAAAAAAAAAAAAAAAAAAAAAAAAAAAAAAAECcAABAnAAAAAAAAAAAAAAAAAAAAAAAAAAAAAAAAAAAAAAAAAAAAABQAAAAAAAAAwMD/AAAAAABkAAAAMgAAAAAAAABkAAAAAAAAAH9/fwAKAAAAHwAAAFQAAAC74OMF////AQAAAAAAAAAAAAAAAAAAAAAAAAAAAAAAAAAAAAAAAAAAAAAAAn9/fwCAgIADzMzMAMDA/wB/f38AAAAAAAAAAAAAAAAAAAAAAAAAAAAhAAAAGAAAABQAAADdAgAA7RoAALkLAADNHwAAECAAACYAAAAIAAAA//////////8="/>
+                <pr:smNativeData xmlns:pr="smNativeData" val="SMDATA_13_IrKAXRMAAAAlAAAAEgAAAE8BAAAAkAAAAEgAAACQAAAASAAAAAAAAAAAAAAAAAAAAAEAAABQAAAAAAAAAAAA4D8AAAAAAADgPwAAAAAAAOA/AAAAAAAA4D8AAAAAAADgPwAAAAAAAOA/AAAAAAAA4D8AAAAAAADgPwAAAAAAAOA/AAAAAAAA4D8CAAAAjAAAAAAAAAAAAAAAu+DjDP///wgAAAAAAAAAAAAAAAAAAAAAAAAAAAAAAAAAAAAAZAAAAAEAAABAAAAAAAAAAAAAAAAAAAAAAAAAAAAAAAAAAAAAAAAAAAAAAAAAAAAAAAAAAAAAAAAAAAAAAAAAAAAAAAAAAAAAAAAAAAAAAAAAAAAAAAAAAAAAAAAAAAAAFAAAADwAAAAAAAAAAAAAAAAAAAkUAAAAAQAAABQAAAAUAAAAFAAAAAEAAAAAAAAAZAAAAGQAAAAAAAAAZAAAAGQAAAAVAAAAYAAAAAAAAAAAAAAADwAAACADAAAAAAAAAAAAAAEAAACgMgAAVgcAAKr4//8BAAAAf39/AAEAAABkAAAAAAAAABQAAABAHwAAAAAAACYAAAAAAAAAwOD//wAAAAAmAAAAZAAAABYAAABMAAAAAAAAAAAAAAAEAAAAAAAAAAEAAACAgIAKAAAAACgAAAAoAAAAZAAAAGQAAAAAAAAAzMzMAAAAAABQAAAAUAAAAGQAAABkAAAAAAAAABcAAAAUAAAAAAAAANwIAAD/fwAA/38AAAAAAAAJAAAABAAAAHlsZT4MAAAAEAAAAAAAAAAAAAAAAAAAAAAAAAAeAAAAaAAAAAAAAAAAAAAAAAAAAAAAAAAAAAAAECcAABAnAAAAAAAAAAAAAAAAAAAAAAAAAAAAAAAAAAAAAAAAAAAAABQAAAAAAAAAwMD/AAAAAABkAAAAMgAAAAAAAABkAAAAAAAAAH9/fwAKAAAAHwAAAFQAAAC74OMF////AQAAAAAAAAAAAAAAAAAAAAAAAAAAAAAAAAAAAAAAAAAAAAAAAn9/fwCAgIADzMzMAMDA/wB/f38AAAAAAAAAAAAAAAAAAAAAAAAAAAAhAAAAGAAAABQAAADdAgAA7RoAALkLAADNHwAAECAAACYAAAAIAAAA//////////8="/>
               </a:ext>
             </a:extLst>
           </p:cNvSpPr>
@@ -5061,7 +5061,7 @@
           <p:cNvSpPr txBox="1">
             <a:extLst>
               <a:ext uri="smNativeData">
-                <pr:smNativeData xmlns:pr="smNativeData" val="SMDATA_13_BbpsXRMAAAAlAAAAEgAAAE8BAAAAkAAAAEgAAACQAAAASAAAAAAAAAAAAAAAAAAAAAEAAABQAAAAAAAAAAAA4D8AAAAAAADgPwAAAAAAAOA/AAAAAAAA4D8AAAAAAADgPwAAAAAAAOA/AAAAAAAA4D8AAAAAAADgPwAAAAAAAOA/AAAAAAAA4D8CAAAAjAAAAAAAAAAAAAAAu+DjDP///wgAAAAAAAAAAAAAAAAAAAAAAAAAAAAAAAAAAAAAZAAAAAEAAABAAAAAAAAAAAAAAAAAAAAAAAAAAAAAAAAAAAAAAAAAAAAAAAAAAAAAAAAAAAAAAAAAAAAAAAAAAAAAAAAAAAAAAAAAAAAAAAAAAAAAAAAAAAAAAAAAAAAAFAAAADwAAAAAAAAAAAAAAAAAAAkUAAAAAQAAABQAAAAUAAAAFAAAAAEAAAAAAAAAZAAAAGQAAAAAAAAAZAAAAGQAAAAVAAAAYAAAAAAAAAAAAAAADwAAACADAAAAAAAAAAAAAAEAAACgMgAAVgcAAKr4//8BAAAAf39/AAEAAABkAAAAAAAAABQAAABAHwAAAAAAACYAAAAAAAAAwOD//wAAAAAmAAAAZAAAABYAAABMAAAAAAAAAAAAAAAEAAAAAAAAAAEAAACAgIAKAAAAACgAAAAoAAAAZAAAAGQAAAAAAAAAzMzMAAAAAABQAAAAUAAAAGQAAABkAAAAAAAAABcAAAAUAAAAAAAAANwIAAD/fwAA/38AAAAAAAAJAAAABAAAAAIA/f8MAAAAEAAAAAAAAAAAAAAAAAAAAAAAAAAeAAAAaAAAAAAAAAAAAAAAAAAAAAAAAAAAAAAAECcAABAnAAAAAAAAAAAAAAAAAAAAAAAAAAAAAAAAAAAAAAAAAAAAABQAAAAAAAAAwMD/AAAAAABkAAAAMgAAAAAAAABkAAAAAAAAAH9/fwAKAAAAHwAAAFQAAAC74OMF////AQAAAAAAAAAAAAAAAAAAAAAAAAAAAAAAAAAAAAAAAAAAAAAAAn9/fwCAgIADzMzMAMDA/wB/f38AAAAAAAAAAAAAAAAAAAAAAAAAAAAhAAAAGAAAABQAAABtBgAAxxgAAKIIAAAHGwAAECAAACYAAAAIAAAA//////////8="/>
+                <pr:smNativeData xmlns:pr="smNativeData" val="SMDATA_13_IrKAXRMAAAAlAAAAEgAAAE8BAAAAkAAAAEgAAACQAAAASAAAAAAAAAAAAAAAAAAAAAEAAABQAAAAAAAAAAAA4D8AAAAAAADgPwAAAAAAAOA/AAAAAAAA4D8AAAAAAADgPwAAAAAAAOA/AAAAAAAA4D8AAAAAAADgPwAAAAAAAOA/AAAAAAAA4D8CAAAAjAAAAAAAAAAAAAAAu+DjDP///wgAAAAAAAAAAAAAAAAAAAAAAAAAAAAAAAAAAAAAZAAAAAEAAABAAAAAAAAAAAAAAAAAAAAAAAAAAAAAAAAAAAAAAAAAAAAAAAAAAAAAAAAAAAAAAAAAAAAAAAAAAAAAAAAAAAAAAAAAAAAAAAAAAAAAAAAAAAAAAAAAAAAAFAAAADwAAAAAAAAAAAAAAAAAAAkUAAAAAQAAABQAAAAUAAAAFAAAAAEAAAAAAAAAZAAAAGQAAAAAAAAAZAAAAGQAAAAVAAAAYAAAAAAAAAAAAAAADwAAACADAAAAAAAAAAAAAAEAAACgMgAAVgcAAKr4//8BAAAAf39/AAEAAABkAAAAAAAAABQAAABAHwAAAAAAACYAAAAAAAAAwOD//wAAAAAmAAAAZAAAABYAAABMAAAAAAAAAAAAAAAEAAAAAAAAAAEAAACAgIAKAAAAACgAAAAoAAAAZAAAAGQAAAAAAAAAzMzMAAAAAABQAAAAUAAAAGQAAABkAAAAAAAAABcAAAAUAAAAAAAAANwIAAD/fwAA/38AAAAAAAAJAAAABAAAAAIA/f8MAAAAEAAAAAAAAAAAAAAAAAAAAAAAAAAeAAAAaAAAAAAAAAAAAAAAAAAAAAAAAAAAAAAAECcAABAnAAAAAAAAAAAAAAAAAAAAAAAAAAAAAAAAAAAAAAAAAAAAABQAAAAAAAAAwMD/AAAAAABkAAAAMgAAAAAAAABkAAAAAAAAAH9/fwAKAAAAHwAAAFQAAAC74OMF////AQAAAAAAAAAAAAAAAAAAAAAAAAAAAAAAAAAAAAAAAAAAAAAAAn9/fwCAgIADzMzMAMDA/wB/f38AAAAAAAAAAAAAAAAAAAAAAAAAAAAhAAAAGAAAABQAAABtBgAAxxgAAKIIAAAHGwAAECAAACYAAAAIAAAA//////////8="/>
               </a:ext>
             </a:extLst>
           </p:cNvSpPr>
@@ -5107,7 +5107,7 @@
           <p:cNvSpPr txBox="1">
             <a:extLst>
               <a:ext uri="smNativeData">
-                <pr:smNativeData xmlns:pr="smNativeData" val="SMDATA_13_BbpsXRMAAAAlAAAAEgAAAA8BAAAAkAAAAEgAAACQAAAASAAAAAAAAAAAAAAAAAAAAAEAAABQAAAAAAAAAAAA4D8AAAAAAADgPwAAAAAAAOA/AAAAAAAA4D8AAAAAAADgPwAAAAAAAOA/AAAAAAAA4D8AAAAAAADgPwAAAAAAAOA/AAAAAAAA4D8CAAAAjAAAAAAAAAAAAAAAu+DjDP///wgAAAAAAAAAAAAAAAAAAAAAAAAAAAAAAAAAAAAAZAAAAAEAAABAAAAAAAAAAAAAAAAAAAAAAAAAAAAAAAAAAAAAAAAAAAAAAAAAAAAAAAAAAAAAAAAAAAAAAAAAAAAAAAAAAAAAAAAAAAAAAAAAAAAAAAAAAAAAAAAAAAAAFAAAADwAAAAAAAAAAAAAAAAAAAkUAAAAAQAAABQAAAAUAAAAFAAAAAEAAAAAAAAAZAAAAGQAAAAAAAAAZAAAAGQAAAAVAAAAYAAAAAAAAAAAAAAADwAAACADAAAAAAAAAAAAAAEAAACgMgAAVgcAAKr4//8BAAAAf39/AAEAAABkAAAAAAAAABQAAABAHwAAAAAAACYAAAAAAAAAwOD//wAAAAAmAAAAZAAAABYAAABMAAAAAAAAAAAAAAAEAAAAAAAAAAEAAACAgIAKAAAAACgAAAAoAAAAZAAAAGQAAAAAAAAAzMzMAAAAAABQAAAAUAAAAGQAAABkAAAAAAAAABcAAAAUAAAAAAAAANwIAAD/fwAA/38AAAAAAAAJAAAABAAAAAAAAAAMAAAAEAAAAAAAAAAAAAAAAAAAAAAAAAAeAAAAaAAAAAAAAAAAAAAAAAAAAAAAAAAAAAAAECcAABAnAAAAAAAAAAAAAAAAAAAAAAAAAAAAAAAAAAAAAAAAAAAAABQAAAAAAAAAwMD/AAAAAABkAAAAMgAAAAAAAABkAAAAAAAAAH9/fwAKAAAAHwAAAFQAAAC74OMF////AQAAAAAAAAAAAAAAAAAAAAAAAAAAAAAAAAAAAAAAAAAAAAAAAn9/fwCAgIADzMzMAMDA/wB/f38AAAAAAAAAAAAAAAAAAAAAAAAAAAAhAAAAGAAAABQAAAA0AgAAGyEAAOsLAAB+KQAAEAAAACYAAAAIAAAA//////////8="/>
+                <pr:smNativeData xmlns:pr="smNativeData" val="SMDATA_13_IrKAXRMAAAAlAAAAEgAAAA8BAAAAkAAAAEgAAACQAAAASAAAAAAAAAAAAAAAAAAAAAEAAABQAAAAAAAAAAAA4D8AAAAAAADgPwAAAAAAAOA/AAAAAAAA4D8AAAAAAADgPwAAAAAAAOA/AAAAAAAA4D8AAAAAAADgPwAAAAAAAOA/AAAAAAAA4D8CAAAAjAAAAAAAAAAAAAAAu+DjDP///wgAAAAAAAAAAAAAAAAAAAAAAAAAAAAAAAAAAAAAZAAAAAEAAABAAAAAAAAAAAAAAAAAAAAAAAAAAAAAAAAAAAAAAAAAAAAAAAAAAAAAAAAAAAAAAAAAAAAAAAAAAAAAAAAAAAAAAAAAAAAAAAAAAAAAAAAAAAAAAAAAAAAAFAAAADwAAAAAAAAAAAAAAAAAAAkUAAAAAQAAABQAAAAUAAAAFAAAAAEAAAAAAAAAZAAAAGQAAAAAAAAAZAAAAGQAAAAVAAAAYAAAAAAAAAAAAAAADwAAACADAAAAAAAAAAAAAAEAAACgMgAAVgcAAKr4//8BAAAAf39/AAEAAABkAAAAAAAAABQAAABAHwAAAAAAACYAAAAAAAAAwOD//wAAAAAmAAAAZAAAABYAAABMAAAAAAAAAAAAAAAEAAAAAAAAAAEAAACAgIAKAAAAACgAAAAoAAAAZAAAAGQAAAAAAAAAzMzMAAAAAABQAAAAUAAAAGQAAABkAAAAAAAAABcAAAAUAAAAAAAAANwIAAD/fwAA/38AAAAAAAAJAAAABAAAAAAAAAAMAAAAEAAAAAAAAAAAAAAAAAAAAAAAAAAeAAAAaAAAAAAAAAAAAAAAAAAAAAAAAAAAAAAAECcAABAnAAAAAAAAAAAAAAAAAAAAAAAAAAAAAAAAAAAAAAAAAAAAABQAAAAAAAAAwMD/AAAAAABkAAAAMgAAAAAAAABkAAAAAAAAAH9/fwAKAAAAHwAAAFQAAAC74OMF////AQAAAAAAAAAAAAAAAAAAAAAAAAAAAAAAAAAAAAAAAAAAAAAAAn9/fwCAgIADzMzMAMDA/wB/f38AAAAAAAAAAAAAAAAAAAAAAAAAAAAhAAAAGAAAABQAAAA0AgAAGyEAAOsLAAB+KQAAEAAAACYAAAAIAAAA//////////8="/>
               </a:ext>
             </a:extLst>
           </p:cNvSpPr>
@@ -5245,7 +5245,7 @@
             <a:picLocks noChangeAspect="1"/>
             <a:extLst>
               <a:ext uri="smNativeData">
-                <pr:smNativeData xmlns:pr="smNativeData" val="SMDATA_15_BbpsXRMAAAAlAAAAEQAAAC8BAAAAkAAAAEgAAACQAAAASAAAAAAAAAAAAAAAAAAAAAEAAABQAAAAAAAAAAAA4D8AAAAAAADgPwAAAAAAAOA/AAAAAAAA4D8AAAAAAADgPwAAAAAAAOA/AAAAAAAA4D8AAAAAAADgPwAAAAAAAOA/AAAAAAAA4D8CAAAAjAAAAAAAAAAAAAAAu+DjDP///wgAAAAAAAAAAAAAAAAAAAAAAAAAAAAAAAAAAAAAZAAAAAEAAABAAAAAAAAAAAAAAAAAAAAAAAAAAAAAAAAAAAAAAAAAAAAAAAAAAAAAAAAAAAAAAAAAAAAAAAAAAAAAAAAAAAAAAAAAAAAAAAAAAAAAAAAAAAAAAAAAAAAAFAAAADwAAAAAAAAAAAAAAAAAAAkUAAAAAQAAABQAAAAUAAAAFAAAAAEAAAAAAAAAZAAAAGQAAAAAAAAAZAAAAGQAAAAVAAAAYAAAAAAAAAAAAAAADwAAACADAAAAAAAAAAAAAAEAAACgMgAAVgcAAKr4//8BAAAAf39/AAEAAABkAAAAAAAAABQAAABAHwAAAAAAACYAAAAAAAAAwOD//wAAAAAmAAAAZAAAABYAAABMAAAAAAAAAAAAAAAEAAAAAAAAAAEAAACAgIAKAAAAACgAAAAoAAAAZAAAAGQAAAAAAAAAzMzMAAAAAABQAAAAUAAAAGQAAABkAAAAAAAAAAcAAAA4AAAAAAAAAAAAAAAAAAAA////AAAAAAAAAAAAAAAAAAAAAAAAAAAAAAAAAAAAAABkAAAAZAAAAAAAAAAjAAAABAAAAGQAAAAXAAAAFAAAAAAAAAAAAAAA/38AAP9/AAAAAAAACQAAAAQAAAAAAAAADAAAABAAAAAAAAAAAAAAAAAAAAAAAAAAHgAAAGgAAAAAAAAAAAAAAAAAAAAAAAAAAAAAABAnAAAQJwAAAAAAAAAAAAAAAAAAAAAAAAAAAAAAAAAAAAAAAAAAAAAUAAAAAAAAAMDA/wAAAAAAZAAAADIAAAAAAAAAZAAAAAAAAAB/f38ACgAAAB8AAABUAAAAu+DjBf///wEAAAAAAAAAAAAAAAAAAAAAAAAAAAAAAAAAAAAAAAAAAAAAAAJ/f38AgICAA8zMzADAwP8Af39/AAAAAAAAAAAAAAAAAP///wAAAAAAIQAAABgAAAAUAAAACAEAAD0VAABIDgAACiIAABAAAAAmAAAACAAAAP//////////"/>
+                <pr:smNativeData xmlns:pr="smNativeData" val="SMDATA_15_IrKAXRMAAAAlAAAAEQAAAC8BAAAAkAAAAEgAAACQAAAASAAAAAAAAAAAAAAAAAAAAAEAAABQAAAAAAAAAAAA4D8AAAAAAADgPwAAAAAAAOA/AAAAAAAA4D8AAAAAAADgPwAAAAAAAOA/AAAAAAAA4D8AAAAAAADgPwAAAAAAAOA/AAAAAAAA4D8CAAAAjAAAAAAAAAAAAAAAu+DjDP///wgAAAAAAAAAAAAAAAAAAAAAAAAAAAAAAAAAAAAAZAAAAAEAAABAAAAAAAAAAAAAAAAAAAAAAAAAAAAAAAAAAAAAAAAAAAAAAAAAAAAAAAAAAAAAAAAAAAAAAAAAAAAAAAAAAAAAAAAAAAAAAAAAAAAAAAAAAAAAAAAAAAAAFAAAADwAAAAAAAAAAAAAAAAAAAkUAAAAAQAAABQAAAAUAAAAFAAAAAEAAAAAAAAAZAAAAGQAAAAAAAAAZAAAAGQAAAAVAAAAYAAAAAAAAAAAAAAADwAAACADAAAAAAAAAAAAAAEAAACgMgAAVgcAAKr4//8BAAAAf39/AAEAAABkAAAAAAAAABQAAABAHwAAAAAAACYAAAAAAAAAwOD//wAAAAAmAAAAZAAAABYAAABMAAAAAAAAAAAAAAAEAAAAAAAAAAEAAACAgIAKAAAAACgAAAAoAAAAZAAAAGQAAAAAAAAAzMzMAAAAAABQAAAAUAAAAGQAAABkAAAAAAAAAAcAAAA4AAAAAAAAAAAAAAAAAAAA////AAAAAAAAAAAAAAAAAAAAAAAAAAAAAAAAAAAAAABkAAAAZAAAAAAAAAAjAAAABAAAAGQAAAAXAAAAFAAAAAAAAAAAAAAA/38AAP9/AAAAAAAACQAAAAQAAAAAAAAADAAAABAAAAAAAAAAAAAAAAAAAAAAAAAAHgAAAGgAAAAAAAAAAAAAAAAAAAAAAAAAAAAAABAnAAAQJwAAAAAAAAAAAAAAAAAAAAAAAAAAAAAAAAAAAAAAAAAAAAAUAAAAAAAAAMDA/wAAAAAAZAAAADIAAAAAAAAAZAAAAAAAAAB/f38ACgAAAB8AAABUAAAAu+DjBf///wEAAAAAAAAAAAAAAAAAAAAAAAAAAAAAAAAAAAAAAAAAAAAAAAJ/f38AgICAA8zMzADAwP8Af39/AAAAAAAAAAAAAAAAAP///wAAAAAAIQAAABgAAAAUAAAACAEAAD0VAABIDgAACiIAABAAAAAmAAAACAAAAP//////////"/>
               </a:ext>
             </a:extLst>
           </p:cNvPicPr>
@@ -5318,7 +5318,7 @@
           <p:cNvSpPr>
             <a:extLst>
               <a:ext uri="smNativeData">
-                <pr:smNativeData xmlns:pr="smNativeData" val="SMDATA_13_BbpsXRMAAAAlAAAAZAAAAA8BAAAAkAAAAEgAAACQAAAASAAAAAAAAAABAAAAAAAAAAEAAABQAAAAAAAAAAAA4D8AAAAAAADgPwAAAAAAAOA/AAAAAAAA4D8AAAAAAADgPwAAAAAAAOA/AAAAAAAA4D8AAAAAAADgPwAAAAAAAOA/AAAAAAAA4D8CAAAAjAAAAAAAAAAAAAAAu+DjDP///wgAAAAAAAAAAAAAAAAAAAAAAAAAAAAAAAAAAAAAZAAAAAEAAABAAAAAAAAAAAAAAAAAAAAAAAAAAAAAAAAAAAAAAAAAAAAAAAAAAAAAAAAAAAAAAAAAAAAAAAAAAAAAAAAAAAAAAAAAAAAAAAAAAAAAAAAAAAAAAAAAAAAAFAAAADwAAAAAAAAAAAAAAAAAAAkUAAAAAQAAABQAAAAUAAAAFAAAAAEAAAAAAAAAZAAAAGQAAAAAAAAAZAAAAGQAAAAVAAAAYAAAAAAAAAAAAAAADwAAACADAAAAAAAAAAAAAAEAAACgMgAAVgcAAKr4//8BAAAAf39/AAEAAABkAAAAAAAAABQAAABAHwAAAAAAACYAAAAAAAAAwOD//wAAAAAmAAAAZAAAABYAAABMAAAAAAAAAAAAAAAEAAAAAAAAAAEAAACAgIAKAAAAACgAAAAoAAAAZAAAAGQAAAAAAAAAzMzMAAAAAABQAAAAUAAAAGQAAABkAAAAAAAAABcAAAAUAAAAAAAAAAAAAAD/fwAA/38AAAAAAAAJAAAABAAAAAAAAAAMAAAAEAAAAAAAAAAAAAAAAAAAAAAAAAAeAAAAaAAAAAAAAAAAAAAAAAAAAAAAAAAAAAAAECcAABAnAAAAAAAAAAAAAAAAAAAAAAAAAAAAAAAAAAAAAAAAAAAAABQAAAAAAAAAwMD/AAAAAABkAAAAMgAAAAAAAABkAAAAAAAAAH9/fwAKAAAAHwAAAFQAAAC74OMF////AQAAAAAAAAAAAAAAAAAAAAAAAAAAAAAAAAAAAAAAAAAAAAAAAn9/fwCAgIADzMzMAMDA/wB/f38AAAAAAAAAAAAAAAAAAAAAAAAAAAAhAAAAGAAAABQAAABqBAAAiAMAABY0AAAoBwAAEAAAACYAAAAIAAAA//////////8="/>
+                <pr:smNativeData xmlns:pr="smNativeData" val="SMDATA_13_IrKAXRMAAAAlAAAAZAAAAA8BAAAAkAAAAEgAAACQAAAASAAAAAAAAAABAAAAAAAAAAEAAABQAAAAAAAAAAAA4D8AAAAAAADgPwAAAAAAAOA/AAAAAAAA4D8AAAAAAADgPwAAAAAAAOA/AAAAAAAA4D8AAAAAAADgPwAAAAAAAOA/AAAAAAAA4D8CAAAAjAAAAAAAAAAAAAAAu+DjDP///wgAAAAAAAAAAAAAAAAAAAAAAAAAAAAAAAAAAAAAZAAAAAEAAABAAAAAAAAAAAAAAAAAAAAAAAAAAAAAAAAAAAAAAAAAAAAAAAAAAAAAAAAAAAAAAAAAAAAAAAAAAAAAAAAAAAAAAAAAAAAAAAAAAAAAAAAAAAAAAAAAAAAAFAAAADwAAAAAAAAAAAAAAAAAAAkUAAAAAQAAABQAAAAUAAAAFAAAAAEAAAAAAAAAZAAAAGQAAAAAAAAAZAAAAGQAAAAVAAAAYAAAAAAAAAAAAAAADwAAACADAAAAAAAAAAAAAAEAAACgMgAAVgcAAKr4//8BAAAAf39/AAEAAABkAAAAAAAAABQAAABAHwAAAAAAACYAAAAAAAAAwOD//wAAAAAmAAAAZAAAABYAAABMAAAAAAAAAAAAAAAEAAAAAAAAAAEAAACAgIAKAAAAACgAAAAoAAAAZAAAAGQAAAAAAAAAzMzMAAAAAABQAAAAUAAAAGQAAABkAAAAAAAAABcAAAAUAAAAAAAAAAAAAAD/fwAA/38AAAAAAAAJAAAABAAAAAAAAAAMAAAAEAAAAAAAAAAAAAAAAAAAAAAAAAAeAAAAaAAAAAAAAAAAAAAAAAAAAAAAAAAAAAAAECcAABAnAAAAAAAAAAAAAAAAAAAAAAAAAAAAAAAAAAAAAAAAAAAAABQAAAAAAAAAwMD/AAAAAABkAAAAMgAAAAAAAABkAAAAAAAAAH9/fwAKAAAAHwAAAFQAAAC74OMF////AQAAAAAAAAAAAAAAAAAAAAAAAAAAAAAAAAAAAAAAAAAAAAAAAn9/fwCAgIADzMzMAMDA/wB/f38AAAAAAAAAAAAAAAAAAAAAAAAAAAAhAAAAGAAAABQAAABqBAAAiAMAABY0AAAoBwAAEAAAACYAAAAIAAAA//////////8="/>
               </a:ext>
             </a:extLst>
           </p:cNvSpPr>
@@ -5364,7 +5364,7 @@
           <p:cNvSpPr txBox="1">
             <a:extLst>
               <a:ext uri="smNativeData">
-                <pr:smNativeData xmlns:pr="smNativeData" val="SMDATA_13_BbpsXRMAAAAlAAAAEgAAAE8BAAAAkAAAAEgAAACQAAAASAAAAAAAAAAAAAAAAAAAAAEAAABQAAAAAAAAAAAA4D8AAAAAAADgPwAAAAAAAOA/AAAAAAAA4D8AAAAAAADgPwAAAAAAAOA/AAAAAAAA4D8AAAAAAADgPwAAAAAAAOA/AAAAAAAA4D8CAAAAjAAAAAAAAAAAAAAAu+DjDP///wgAAAAAAAAAAAAAAAAAAAAAAAAAAAAAAAAAAAAAZAAAAAEAAABAAAAAAAAAAAAAAAAAAAAAAAAAAAAAAAAAAAAAAAAAAAAAAAAAAAAAAAAAAAAAAAAAAAAAAAAAAAAAAAAAAAAAAAAAAAAAAAAAAAAAAAAAAAAAAAAAAAAAFAAAADwAAAAAAAAAAAAAAAAAAAkUAAAAAQAAABQAAAAUAAAAFAAAAAEAAAAAAAAAZAAAAGQAAAAAAAAAZAAAAGQAAAAVAAAAYAAAAAAAAAAAAAAADwAAACADAAAAAAAAAAAAAAEAAACgMgAAVgcAAKr4//8BAAAAf39/AAEAAABkAAAAAAAAABQAAABAHwAAAAAAACYAAAAAAAAAwOD//wAAAAAmAAAAZAAAABYAAABMAAAAAAAAAAAAAAAEAAAAAAAAAAEAAACAgIAKAAAAACgAAAAoAAAAZAAAAGQAAAAAAAAAzMzMAAAAAABQAAAAUAAAAGQAAABkAAAAAAAAABcAAAAUAAAAAAAAANwIAAD/fwAA/38AAAAAAAAJAAAABAAAAAAAAAAMAAAAEAAAAAAAAAAAAAAAAAAAAAAAAAAeAAAAaAAAAAAAAAAAAAAAAAAAAAAAAAAAAAAAECcAABAnAAAAAAAAAAAAAAAAAAAAAAAAAAAAAAAAAAAAAAAAAAAAABQAAAAAAAAAwMD/AAAAAABkAAAAMgAAAAAAAABkAAAAAAAAAH9/fwAKAAAAHwAAAFQAAAC74OMF////AQAAAAAAAAAAAAAAAAAAAAAAAAAAAAAAAAAAAAAAAAAAAAAAAn9/fwCAgIADzMzMAMDA/wB/f38AAAAAAAAAAAAAAAAAAAAAAAAAAAAhAAAAGAAAABQAAABqBAAA4QgAABY0AADRDAAAECAAACYAAAAIAAAA//////////8="/>
+                <pr:smNativeData xmlns:pr="smNativeData" val="SMDATA_13_IrKAXRMAAAAlAAAAEgAAAE8BAAAAkAAAAEgAAACQAAAASAAAAAAAAAAAAAAAAAAAAAEAAABQAAAAAAAAAAAA4D8AAAAAAADgPwAAAAAAAOA/AAAAAAAA4D8AAAAAAADgPwAAAAAAAOA/AAAAAAAA4D8AAAAAAADgPwAAAAAAAOA/AAAAAAAA4D8CAAAAjAAAAAAAAAAAAAAAu+DjDP///wgAAAAAAAAAAAAAAAAAAAAAAAAAAAAAAAAAAAAAZAAAAAEAAABAAAAAAAAAAAAAAAAAAAAAAAAAAAAAAAAAAAAAAAAAAAAAAAAAAAAAAAAAAAAAAAAAAAAAAAAAAAAAAAAAAAAAAAAAAAAAAAAAAAAAAAAAAAAAAAAAAAAAFAAAADwAAAAAAAAAAAAAAAAAAAkUAAAAAQAAABQAAAAUAAAAFAAAAAEAAAAAAAAAZAAAAGQAAAAAAAAAZAAAAGQAAAAVAAAAYAAAAAAAAAAAAAAADwAAACADAAAAAAAAAAAAAAEAAACgMgAAVgcAAKr4//8BAAAAf39/AAEAAABkAAAAAAAAABQAAABAHwAAAAAAACYAAAAAAAAAwOD//wAAAAAmAAAAZAAAABYAAABMAAAAAAAAAAAAAAAEAAAAAAAAAAEAAACAgIAKAAAAACgAAAAoAAAAZAAAAGQAAAAAAAAAzMzMAAAAAABQAAAAUAAAAGQAAABkAAAAAAAAABcAAAAUAAAAAAAAANwIAAD/fwAA/38AAAAAAAAJAAAABAAAAAAAAAAMAAAAEAAAAAAAAAAAAAAAAAAAAAAAAAAeAAAAaAAAAAAAAAAAAAAAAAAAAAAAAAAAAAAAECcAABAnAAAAAAAAAAAAAAAAAAAAAAAAAAAAAAAAAAAAAAAAAAAAABQAAAAAAAAAwMD/AAAAAABkAAAAMgAAAAAAAABkAAAAAAAAAH9/fwAKAAAAHwAAAFQAAAC74OMF////AQAAAAAAAAAAAAAAAAAAAAAAAAAAAAAAAAAAAAAAAAAAAAAAAn9/fwCAgIADzMzMAMDA/wB/f38AAAAAAAAAAAAAAAAAAAAAAAAAAAAhAAAAGAAAABQAAABqBAAA4QgAABY0AADRDAAAECAAACYAAAAIAAAA//////////8="/>
               </a:ext>
             </a:extLst>
           </p:cNvSpPr>
@@ -5431,7 +5431,7 @@
           <p:cNvSpPr txBox="1">
             <a:extLst>
               <a:ext uri="smNativeData">
-                <pr:smNativeData xmlns:pr="smNativeData" val="SMDATA_13_BbpsXRMAAAAlAAAAEgAAAE8BAAAAkAAAAEgAAACQAAAASAAAAAAAAAAAAAAAAAAAAAEAAABQAAAAAAAAAAAA4D8AAAAAAADgPwAAAAAAAOA/AAAAAAAA4D8AAAAAAADgPwAAAAAAAOA/AAAAAAAA4D8AAAAAAADgPwAAAAAAAOA/AAAAAAAA4D8CAAAAjAAAAAAAAAAAAAAAu+DjDP///wgAAAAAAAAAAAAAAAAAAAAAAAAAAAAAAAAAAAAAZAAAAAEAAABAAAAAAAAAAAAAAAAAAAAAAAAAAAAAAAAAAAAAAAAAAAAAAAAAAAAAAAAAAAAAAAAAAAAAAAAAAAAAAAAAAAAAAAAAAAAAAAAAAAAAAAAAAAAAAAAAAAAAFAAAADwAAAAAAAAAAAAAAAAAAAkUAAAAAQAAABQAAAAUAAAAFAAAAAEAAAAAAAAAZAAAAGQAAAAAAAAAZAAAAGQAAAAVAAAAYAAAAAAAAAAAAAAADwAAACADAAAAAAAAAAAAAAEAAACgMgAAVgcAAKr4//8BAAAAf39/AAEAAABkAAAAAAAAABQAAABAHwAAAAAAACYAAAAAAAAAwOD//wAAAAAmAAAAZAAAABYAAABMAAAAAAAAAAAAAAAEAAAAAAAAAAEAAACAgIAKAAAAACgAAAAoAAAAZAAAAGQAAAAAAAAAzMzMAAAAAABQAAAAUAAAAGQAAABkAAAAAAAAABcAAAAUAAAAAAAAANwIAAD/fwAA/38AAAAAAAAJAAAABAAAAGxyIHYMAAAAEAAAAAAAAAAAAAAAAAAAAAAAAAAeAAAAaAAAAAAAAAAAAAAAAAAAAAAAAAAAAAAAECcAABAnAAAAAAAAAAAAAAAAAAAAAAAAAAAAAAAAAAAAAAAAAAAAABQAAAAAAAAAwMD/AAAAAABkAAAAMgAAAAAAAABkAAAAAAAAAH9/fwAKAAAAHwAAAFQAAAC74OMF////AQAAAAAAAAAAAAAAAAAAAAAAAAAAAAAAAAAAAAAAAAAAAAAAAn9/fwCAgIADzMzMAMDA/wB/f38AAAAAAAAAAAAAAAAAAAAAAAAAAAAhAAAAGAAAABQAAABqBAAAIw8AABY0AADDFAAAECAAACYAAAAIAAAA//////////8="/>
+                <pr:smNativeData xmlns:pr="smNativeData" val="SMDATA_13_IrKAXRMAAAAlAAAAEgAAAE8BAAAAkAAAAEgAAACQAAAASAAAAAAAAAAAAAAAAAAAAAEAAABQAAAAAAAAAAAA4D8AAAAAAADgPwAAAAAAAOA/AAAAAAAA4D8AAAAAAADgPwAAAAAAAOA/AAAAAAAA4D8AAAAAAADgPwAAAAAAAOA/AAAAAAAA4D8CAAAAjAAAAAAAAAAAAAAAu+DjDP///wgAAAAAAAAAAAAAAAAAAAAAAAAAAAAAAAAAAAAAZAAAAAEAAABAAAAAAAAAAAAAAAAAAAAAAAAAAAAAAAAAAAAAAAAAAAAAAAAAAAAAAAAAAAAAAAAAAAAAAAAAAAAAAAAAAAAAAAAAAAAAAAAAAAAAAAAAAAAAAAAAAAAAFAAAADwAAAAAAAAAAAAAAAAAAAkUAAAAAQAAABQAAAAUAAAAFAAAAAEAAAAAAAAAZAAAAGQAAAAAAAAAZAAAAGQAAAAVAAAAYAAAAAAAAAAAAAAADwAAACADAAAAAAAAAAAAAAEAAACgMgAAVgcAAKr4//8BAAAAf39/AAEAAABkAAAAAAAAABQAAABAHwAAAAAAACYAAAAAAAAAwOD//wAAAAAmAAAAZAAAABYAAABMAAAAAAAAAAAAAAAEAAAAAAAAAAEAAACAgIAKAAAAACgAAAAoAAAAZAAAAGQAAAAAAAAAzMzMAAAAAABQAAAAUAAAAGQAAABkAAAAAAAAABcAAAAUAAAAAAAAANwIAAD/fwAA/38AAAAAAAAJAAAABAAAAGxyIHYMAAAAEAAAAAAAAAAAAAAAAAAAAAAAAAAeAAAAaAAAAAAAAAAAAAAAAAAAAAAAAAAAAAAAECcAABAnAAAAAAAAAAAAAAAAAAAAAAAAAAAAAAAAAAAAAAAAAAAAABQAAAAAAAAAwMD/AAAAAABkAAAAMgAAAAAAAABkAAAAAAAAAH9/fwAKAAAAHwAAAFQAAAC74OMF////AQAAAAAAAAAAAAAAAAAAAAAAAAAAAAAAAAAAAAAAAAAAAAAAAn9/fwCAgIADzMzMAMDA/wB/f38AAAAAAAAAAAAAAAAAAAAAAAAAAAAhAAAAGAAAABQAAABqBAAAIw8AABY0AADDFAAAECAAACYAAAAIAAAA//////////8="/>
               </a:ext>
             </a:extLst>
           </p:cNvSpPr>
@@ -5508,7 +5508,7 @@
             <a:picLocks noChangeAspect="1"/>
             <a:extLst>
               <a:ext uri="smNativeData">
-                <pr:smNativeData xmlns:pr="smNativeData" val="SMDATA_15_BbpsXRMAAAAlAAAAEQAAAC8BAAAAkAAAAEgAAACQAAAASAAAAAAAAAAAAAAAAAAAAAEAAABQAAAAAAAAAAAA4D8AAAAAAADgPwAAAAAAAOA/AAAAAAAA4D8AAAAAAADgPwAAAAAAAOA/AAAAAAAA4D8AAAAAAADgPwAAAAAAAOA/AAAAAAAA4D8CAAAAjAAAAAAAAAAAAAAAu+DjDP///wgAAAAAAAAAAAAAAAAAAAAAAAAAAAAAAAAAAAAAZAAAAAEAAABAAAAAAAAAAAAAAAAAAAAAAAAAAAAAAAAAAAAAAAAAAAAAAAAAAAAAAAAAAAAAAAAAAAAAAAAAAAAAAAAAAAAAAAAAAAAAAAAAAAAAAAAAAAAAAAAAAAAAFAAAADwAAAAAAAAAAAAAAAAAAAkUAAAAAQAAABQAAAAUAAAAFAAAAAEAAAAAAAAAZAAAAGQAAAAAAAAAZAAAAGQAAAAVAAAAYAAAAAAAAAAAAAAADwAAACADAAAAAAAAAAAAAAEAAACgMgAAVgcAAKr4//8BAAAAf39/AAEAAABkAAAAAAAAABQAAABAHwAAAAAAACYAAAAAAAAAwOD//wAAAAAmAAAAZAAAABYAAABMAAAAAAAAAAAAAAAEAAAAAAAAAAEAAACAgIAKAAAAACgAAAAoAAAAZAAAAGQAAAAAAAAAzMzMAAAAAABQAAAAUAAAAGQAAABkAAAAAAAAAAcAAAA4AAAAAAAAAAAAAAAAAAAA////AAAAAAAAAAAAAAAAAAAAAAAAAAAAAAAAAAAAAABkAAAAZAAAAAAAAAAjAAAABAAAAGQAAAAXAAAAFAAAAAAAAAAAAAAA/38AAP9/AAAAAAAACQAAAAQAAAAAAAAADAAAABAAAAAAAAAAAAAAAAAAAAAAAAAAHgAAAGgAAAAAAAAAAAAAAAAAAAAAAAAAAAAAABAnAAAQJwAAAAAAAAAAAAAAAAAAAAAAAAAAAAAAAAAAAAAAAAAAAAAUAAAAAAAAAMDA/wAAAAAAZAAAADIAAAAAAAAAZAAAAAAAAAB/f38ACgAAAB8AAABUAAAAu+DjBf///wEAAAAAAAAAAAAAAAAAAAAAAAAAAAAAAAAAAAAAAAAAAAAAAAJ/f38AgICAA8zMzADAwP8Af39/AAAAAAAAAAAAAAAAAP///wAAAAAAIQAAABgAAAAUAAAA/w4AABIWAAAEKAAA0igAABAAAAAmAAAACAAAAP//////////"/>
+                <pr:smNativeData xmlns:pr="smNativeData" val="SMDATA_15_IrKAXRMAAAAlAAAAEQAAAC8BAAAAkAAAAEgAAACQAAAASAAAAAAAAAAAAAAAAAAAAAEAAABQAAAAAAAAAAAA4D8AAAAAAADgPwAAAAAAAOA/AAAAAAAA4D8AAAAAAADgPwAAAAAAAOA/AAAAAAAA4D8AAAAAAADgPwAAAAAAAOA/AAAAAAAA4D8CAAAAjAAAAAAAAAAAAAAAu+DjDP///wgAAAAAAAAAAAAAAAAAAAAAAAAAAAAAAAAAAAAAZAAAAAEAAABAAAAAAAAAAAAAAAAAAAAAAAAAAAAAAAAAAAAAAAAAAAAAAAAAAAAAAAAAAAAAAAAAAAAAAAAAAAAAAAAAAAAAAAAAAAAAAAAAAAAAAAAAAAAAAAAAAAAAFAAAADwAAAAAAAAAAAAAAAAAAAkUAAAAAQAAABQAAAAUAAAAFAAAAAEAAAAAAAAAZAAAAGQAAAAAAAAAZAAAAGQAAAAVAAAAYAAAAAAAAAAAAAAADwAAACADAAAAAAAAAAAAAAEAAACgMgAAVgcAAKr4//8BAAAAf39/AAEAAABkAAAAAAAAABQAAABAHwAAAAAAACYAAAAAAAAAwOD//wAAAAAmAAAAZAAAABYAAABMAAAAAAAAAAAAAAAEAAAAAAAAAAEAAACAgIAKAAAAACgAAAAoAAAAZAAAAGQAAAAAAAAAzMzMAAAAAABQAAAAUAAAAGQAAABkAAAAAAAAAAcAAAA4AAAAAAAAAAAAAAAAAAAA////AAAAAAAAAAAAAAAAAAAAAAAAAAAAAAAAAAAAAABkAAAAZAAAAAAAAAAjAAAABAAAAGQAAAAXAAAAFAAAAAAAAAAAAAAA/38AAP9/AAAAAAAACQAAAAQAAAAAAAAADAAAABAAAAAAAAAAAAAAAAAAAAAAAAAAHgAAAGgAAAAAAAAAAAAAAAAAAAAAAAAAAAAAABAnAAAQJwAAAAAAAAAAAAAAAAAAAAAAAAAAAAAAAAAAAAAAAAAAAAAUAAAAAAAAAMDA/wAAAAAAZAAAADIAAAAAAAAAZAAAAAAAAAB/f38ACgAAAB8AAABUAAAAu+DjBf///wEAAAAAAAAAAAAAAAAAAAAAAAAAAAAAAAAAAAAAAAAAAAAAAAJ/f38AgICAA8zMzADAwP8Af39/AAAAAAAAAAAAAAAAAP///wAAAAAAIQAAABgAAAAUAAAA/w4AABIWAAAEKAAA0igAABAAAAAmAAAACAAAAP//////////"/>
               </a:ext>
             </a:extLst>
           </p:cNvPicPr>
@@ -5541,7 +5541,7 @@
           <p:cNvSpPr>
             <a:extLst>
               <a:ext uri="smNativeData">
-                <pr:smNativeData xmlns:pr="smNativeData" val="SMDATA_13_BbpsXRMAAAAlAAAAZAAAAA8BAAAAkAAAAEgAAACQAAAASAAAAAAAAAAAAAAAAAAAAAEAAABQAAAAAAAAAAAA4D8AAAAAAADgPwAAAAAAAOA/AAAAAAAA4D8AAAAAAADgPwAAAAAAAOA/AAAAAAAA4D8AAAAAAADgPwAAAAAAAOA/AAAAAAAA4D8CAAAAjAAAAAEAAAAAAAAAHh4eAP///wgAAAAAAAAAAAAAAAAAAAAAAAAAAAAAAAAAAAAAZAAAAAEAAABAAAAAAAAAAAAAAAAAAAAAAAAAAAAAAAAAAAAAAAAAAAAAAAAAAAAAAAAAAAAAAAAAAAAAAAAAAAAAAAAAAAAAAAAAAAAAAAAAAAAAAAAAAAAAAAAAAAAAFAAAADwAAAAAAAAAAAAAAAAAAAkAAAAAAQAAAAAAAAAAAAAAAAAAAAAAAAAAAAAAZAAAAGQAAAAAAAAAZAAAAGQAAAAVAAAAYAAAAAAAAAAAAAAADwAAACADAAAAAAAAAAAAAAEAAACgMgAAAAAAAAAAAAABAAAAf39/AAEAAABkAAAAAAAAABQAAABAHwAAAAAAACYAAAAAAAAAwOD//wAAAAAmAAAAZAAAABYAAABMAAAAAAAAAAAAAAAEAAAAAAAAAAEAAACAgIAKAAAAACgAAAAoAAAAZAAAAGQAAAAAAAAAzMzMAAAAAABQAAAAUAAAAGQAAABkAAAAAAAAABcAAAAUAAAAAAAAAAAAAAD/fwAA/38AAAAAAAAJAAAABAAAADY2Q0MMAAAAEAAAAAAAAAAAAAAAAAAAAAAAAAAeAAAAaAAAAAAAAAAAAAAAAAAAAAAAAAAAAAAAECcAABAnAAAAAAAAAAAAAAAAAAAAAAAAAAAAAAAAAAAAAAAAAAAAABQAAAAAAAAAwMD/AAAAAABkAAAAMgAAAAAAAABkAAAAAAAAAH9/fwAKAAAAHwAAAFQAAAAeHh4A////AQAAAAAAAAAAAAAAAAAAAAAAAAAAAAAAAAAAAAAAAAAAAAAAAn9/fwCAgIADzMzMAMDA/wB/f38AAAAAAAAAAAAAAAAAAAAAAAAAAAAhAAAAGAAAABQAAAAAAAAAZQcAAEA4AAC4CAAAEAAAACYAAAAIAAAA//////////8="/>
+                <pr:smNativeData xmlns:pr="smNativeData" val="SMDATA_13_IrKAXRMAAAAlAAAAZAAAAA8BAAAAkAAAAEgAAACQAAAASAAAAAAAAAAAAAAAAAAAAAEAAABQAAAAAAAAAAAA4D8AAAAAAADgPwAAAAAAAOA/AAAAAAAA4D8AAAAAAADgPwAAAAAAAOA/AAAAAAAA4D8AAAAAAADgPwAAAAAAAOA/AAAAAAAA4D8CAAAAjAAAAAEAAAAAAAAAHh4eAP///wgAAAAAAAAAAAAAAAAAAAAAAAAAAAAAAAAAAAAAZAAAAAEAAABAAAAAAAAAAAAAAAAAAAAAAAAAAAAAAAAAAAAAAAAAAAAAAAAAAAAAAAAAAAAAAAAAAAAAAAAAAAAAAAAAAAAAAAAAAAAAAAAAAAAAAAAAAAAAAAAAAAAAFAAAADwAAAAAAAAAAAAAAAAAAAkAAAAAAQAAAAAAAAAAAAAAAAAAAAAAAAAAAAAAZAAAAGQAAAAAAAAAZAAAAGQAAAAVAAAAYAAAAAAAAAAAAAAADwAAACADAAAAAAAAAAAAAAEAAACgMgAAAAAAAAAAAAABAAAAf39/AAEAAABkAAAAAAAAABQAAABAHwAAAAAAACYAAAAAAAAAwOD//wAAAAAmAAAAZAAAABYAAABMAAAAAAAAAAAAAAAEAAAAAAAAAAEAAACAgIAKAAAAACgAAAAoAAAAZAAAAGQAAAAAAAAAzMzMAAAAAABQAAAAUAAAAGQAAABkAAAAAAAAABcAAAAUAAAAAAAAAAAAAAD/fwAA/38AAAAAAAAJAAAABAAAADY2Q0MMAAAAEAAAAAAAAAAAAAAAAAAAAAAAAAAeAAAAaAAAAAAAAAAAAAAAAAAAAAAAAAAAAAAAECcAABAnAAAAAAAAAAAAAAAAAAAAAAAAAAAAAAAAAAAAAAAAAAAAABQAAAAAAAAAwMD/AAAAAABkAAAAMgAAAAAAAABkAAAAAAAAAH9/fwAKAAAAHwAAAFQAAAAeHh4A////AQAAAAAAAAAAAAAAAAAAAAAAAAAAAAAAAAAAAAAAAAAAAAAAAn9/fwCAgIADzMzMAMDA/wB/f38AAAAAAAAAAAAAAAAAAAAAAAAAAAAhAAAAGAAAABQAAAAAAAAAZQcAAEA4AAC4CAAAEAAAACYAAAAIAAAA//////////8="/>
               </a:ext>
             </a:extLst>
           </p:cNvSpPr>
@@ -5610,7 +5610,7 @@
           <p:cNvSpPr>
             <a:extLst>
               <a:ext uri="smNativeData">
-                <pr:smNativeData xmlns:pr="smNativeData" val="SMDATA_13_BbpsXRMAAAAlAAAACgAAAA8BAAAAkAAAAEgAAACQAAAASAAAAAAAAAAAAAAAAAAAAAEAAABQAAAAAAAAAAAA4D8AAAAAAADgPwAAAAAAAOA/AAAAAAAA4D8AAAAAAADgPwAAAAAAAOA/AAAAAAAA4D8AAAAAAADgPwAAAAAAAOA/AAAAAAAA4D8CAAAAjAAAAAAAAAAAAAAAu+DjDP///wgAAAAAAAAAAAAAAAAAAAAAAAAAAAAAAAAAAAAAZAAAAAEAAABAAAAAAAAAAAAAAAAAAAAAAAAAAAAAAAAAAAAAAAAAAAAAAAAAAAAAAAAAAAAAAAAAAAAAAAAAAAAAAAAAAAAAAAAAAAAAAAAAAAAAAAAAAAAAAAAAAAAAFAAAADwAAAABAAAAAAAAAFVVVQBQAAAAAQAAAAQAAAAAAAAAAAAAAAAAAAAAAAAAZAAAAGQAAAACAAAAZAAAAGQAAAAVAAAAYAAAAAAAAAAAAAAADwAAACADAAAAAAAAAAAAAAEAAACgMgAAAAAAAAAAAAABAAAAf39/AAEAAABkAAAAAAAAABQAAABAHwAAAAAAACYAAAAAAAAAwOD//wAAAAAmAAAAZAAAABYAAABMAAAAAAAAAAAAAAAEAAAAAAAAAAEAAACAgIAKAAAAACgAAAAoAAAAZAAAAGQAAAAAAAAAzMzMAAAAAABQAAAAUAAAAGQAAABkAAAAAAAAABcAAAAUAAAAAAAAAAAAAAD/fwAA/38AAAAAAAAJAAAABAAAAOkDAAAMAAAAEAAAAAAAAAAAAAAAAAAAAAAAAAAeAAAAaAAAAAAAAAAAAAAAAAAAAAAAAAAAAAAAECcAABAnAAAAAAAAAAAAAAAAAAAAAAAAAAAAAAAAAAAAAAAAAAAAABQAAAAAAAAAwMD/AAAAAABkAAAAMgAAAAAAAABkAAAAAAAAAH9/fwAKAAAAHwAAAFQAAAC74OMF////AQAAAAAAAAAAAAAAAAAAAAAAAAAAAAAAAAAAAAAAAAAAVVVVAH9/fwCAgIADzMzMAMDA/wB/f38AAAAAAAAAAAAAAAAAAAAAAAAAAAAhAAAAGAAAABQAAAA3HAAA0g4AADkcAAB6EAAAEAAAACYAAAAIAAAA//////////8="/>
+                <pr:smNativeData xmlns:pr="smNativeData" val="SMDATA_13_IrKAXRMAAAAlAAAACgAAAA8BAAAAkAAAAEgAAACQAAAASAAAAAAAAAAAAAAAAAAAAAEAAABQAAAAAAAAAAAA4D8AAAAAAADgPwAAAAAAAOA/AAAAAAAA4D8AAAAAAADgPwAAAAAAAOA/AAAAAAAA4D8AAAAAAADgPwAAAAAAAOA/AAAAAAAA4D8CAAAAjAAAAAAAAAAAAAAAu+DjDP///wgAAAAAAAAAAAAAAAAAAAAAAAAAAAAAAAAAAAAAZAAAAAEAAABAAAAAAAAAAAAAAAAAAAAAAAAAAAAAAAAAAAAAAAAAAAAAAAAAAAAAAAAAAAAAAAAAAAAAAAAAAAAAAAAAAAAAAAAAAAAAAAAAAAAAAAAAAAAAAAAAAAAAFAAAADwAAAABAAAAAAAAAFVVVQBQAAAAAQAAAAQAAAAAAAAAAAAAAAAAAAAAAAAAZAAAAGQAAAACAAAAZAAAAGQAAAAVAAAAYAAAAAAAAAAAAAAADwAAACADAAAAAAAAAAAAAAEAAACgMgAAAAAAAAAAAAABAAAAf39/AAEAAABkAAAAAAAAABQAAABAHwAAAAAAACYAAAAAAAAAwOD//wAAAAAmAAAAZAAAABYAAABMAAAAAAAAAAAAAAAEAAAAAAAAAAEAAACAgIAKAAAAACgAAAAoAAAAZAAAAGQAAAAAAAAAzMzMAAAAAABQAAAAUAAAAGQAAABkAAAAAAAAABcAAAAUAAAAAAAAAAAAAAD/fwAA/38AAAAAAAAJAAAABAAAAOkDAAAMAAAAEAAAAAAAAAAAAAAAAAAAAAAAAAAeAAAAaAAAAAAAAAAAAAAAAAAAAAAAAAAAAAAAECcAABAnAAAAAAAAAAAAAAAAAAAAAAAAAAAAAAAAAAAAAAAAAAAAABQAAAAAAAAAwMD/AAAAAABkAAAAMgAAAAAAAABkAAAAAAAAAH9/fwAKAAAAHwAAAFQAAAC74OMF////AQAAAAAAAAAAAAAAAAAAAAAAAAAAAAAAAAAAAAAAAAAAVVVVAH9/fwCAgIADzMzMAMDA/wB/f38AAAAAAAAAAAAAAAAAAAAAAAAAAAAhAAAAGAAAABQAAAA3HAAA0g4AADkcAAB6EAAAEAAAACYAAAAIAAAA//////////8="/>
               </a:ext>
             </a:extLst>
           </p:cNvSpPr>
@@ -5642,7 +5642,7 @@
           <p:cNvSpPr>
             <a:extLst>
               <a:ext uri="smNativeData">
-                <pr:smNativeData xmlns:pr="smNativeData" val="SMDATA_13_BbpsXRMAAAAlAAAACgAAAA8BAAAAkAAAAEgAAACQAAAASAAAAAAAAAAAAAAAAAAAAAEAAABQAAAAAAAAAAAA4D8AAAAAAADgPwAAAAAAAOA/AAAAAAAA4D8AAAAAAADgPwAAAAAAAOA/AAAAAAAA4D8AAAAAAADgPwAAAAAAAOA/AAAAAAAA4D8CAAAAjAAAAAAAAAAAAAAAu+DjDP///wgAAAAAAAAAAAAAAAAAAAAAAAAAAAAAAAAAAAAAZAAAAAEAAABAAAAAAAAAAAAAAAAAAAAAAAAAAAAAAAAAAAAAAAAAAAAAAAAAAAAAAAAAAAAAAAAAAAAAAAAAAAAAAAAAAAAAAAAAAAAAAAAAAAAAAAAAAAAAAAAAAAAAFAAAADwAAAABAAAAAAAAAFVVVQBQAAAAAQAAAAQAAAAAAAAAAAAAAAAAAAAAAAAAZAAAAGQAAAACAAAAZAAAAGQAAAAVAAAAYAAAAAAAAAAAAAAADwAAACADAAAAAAAAAAAAAAEAAACgMgAAAAAAAAAAAAABAAAAf39/AAEAAABkAAAAAAAAABQAAABAHwAAAAAAACYAAAAAAAAAwOD//wAAAAAmAAAAZAAAABYAAABMAAAAAAAAAAAAAAAEAAAAAAAAAAEAAACAgIAKAAAAACgAAAAoAAAAZAAAAGQAAAAAAAAAzMzMAAAAAABQAAAAUAAAAGQAAABkAAAAAAAAABcAAAAUAAAAAAAAAAAAAAD/fwAA/38AAAAAAAAJAAAABAAAAON4AAAMAAAAEAAAAAAAAAAAAAAAAAAAAAAAAAAeAAAAaAAAAAAAAAAAAAAAAAAAAAAAAAAAAAAAECcAABAnAAAAAAAAAAAAAAAAAAAAAAAAAAAAAAAAAAAAAAAAAAAAABQAAAAAAAAAwMD/AAAAAABkAAAAMgAAAAAAAABkAAAAAAAAAH9/fwAKAAAAHwAAAFQAAAC74OMF////AQAAAAAAAAAAAAAAAAAAAAAAAAAAAAAAAAAAAAAAAAAAVVVVAH9/fwCAgIADzMzMAMDA/wB/f38AAAAAAAAAAAAAAAAAAAAAAAAAAAAhAAAAGAAAABQAAAD0FgAA9w4AAMAaAAA7EAAAEAAAACYAAAAIAAAA//////////8="/>
+                <pr:smNativeData xmlns:pr="smNativeData" val="SMDATA_13_IrKAXRMAAAAlAAAACgAAAA8BAAAAkAAAAEgAAACQAAAASAAAAAAAAAAAAAAAAAAAAAEAAABQAAAAAAAAAAAA4D8AAAAAAADgPwAAAAAAAOA/AAAAAAAA4D8AAAAAAADgPwAAAAAAAOA/AAAAAAAA4D8AAAAAAADgPwAAAAAAAOA/AAAAAAAA4D8CAAAAjAAAAAAAAAAAAAAAu+DjDP///wgAAAAAAAAAAAAAAAAAAAAAAAAAAAAAAAAAAAAAZAAAAAEAAABAAAAAAAAAAAAAAAAAAAAAAAAAAAAAAAAAAAAAAAAAAAAAAAAAAAAAAAAAAAAAAAAAAAAAAAAAAAAAAAAAAAAAAAAAAAAAAAAAAAAAAAAAAAAAAAAAAAAAFAAAADwAAAABAAAAAAAAAFVVVQBQAAAAAQAAAAQAAAAAAAAAAAAAAAAAAAAAAAAAZAAAAGQAAAACAAAAZAAAAGQAAAAVAAAAYAAAAAAAAAAAAAAADwAAACADAAAAAAAAAAAAAAEAAACgMgAAAAAAAAAAAAABAAAAf39/AAEAAABkAAAAAAAAABQAAABAHwAAAAAAACYAAAAAAAAAwOD//wAAAAAmAAAAZAAAABYAAABMAAAAAAAAAAAAAAAEAAAAAAAAAAEAAACAgIAKAAAAACgAAAAoAAAAZAAAAGQAAAAAAAAAzMzMAAAAAABQAAAAUAAAAGQAAABkAAAAAAAAABcAAAAUAAAAAAAAAAAAAAD/fwAA/38AAAAAAAAJAAAABAAAAON4AAAMAAAAEAAAAAAAAAAAAAAAAAAAAAAAAAAeAAAAaAAAAAAAAAAAAAAAAAAAAAAAAAAAAAAAECcAABAnAAAAAAAAAAAAAAAAAAAAAAAAAAAAAAAAAAAAAAAAAAAAABQAAAAAAAAAwMD/AAAAAABkAAAAMgAAAAAAAABkAAAAAAAAAH9/fwAKAAAAHwAAAFQAAAC74OMF////AQAAAAAAAAAAAAAAAAAAAAAAAAAAAAAAAAAAAAAAAAAAVVVVAH9/fwCAgIADzMzMAMDA/wB/f38AAAAAAAAAAAAAAAAAAAAAAAAAAAAhAAAAGAAAABQAAAD0FgAA9w4AAMAaAAA7EAAAEAAAACYAAAAIAAAA//////////8="/>
               </a:ext>
             </a:extLst>
           </p:cNvSpPr>
@@ -5674,7 +5674,7 @@
           <p:cNvSpPr>
             <a:extLst>
               <a:ext uri="smNativeData">
-                <pr:smNativeData xmlns:pr="smNativeData" val="SMDATA_13_BbpsXRMAAAAlAAAACgAAAA8BAAAAkAAAAEgAAACQAAAASAAAAAAAAAAAAAAAAAAAAAEAAABQAAAAAAAAAAAA4D8AAAAAAADgPwAAAAAAAOA/AAAAAAAA4D8AAAAAAADgPwAAAAAAAOA/AAAAAAAA4D8AAAAAAADgPwAAAAAAAOA/AAAAAAAA4D8CAAAAjAAAAAAAAAAAAAAAu+DjDP///wgAAAAAAAAAAAAAAAAAAAAAAAAAAAAAAAAAAAAAZAAAAAEAAABAAAAAAAAAAAAAAAAAAAAAAAAAAAAAAAAAAAAAAAAAAAAAAAAAAAAAAAAAAAAAAAAAAAAAAAAAAAAAAAAAAAAAAAAAAAAAAAAAAAAAAAAAAAAAAAAAAAAAFAAAADwAAAABAAAAAAAAAFVVVQBQAAAAAQAAAAQAAAAAAAAAAAAAAAAAAAAAAAAAZAAAAGQAAAACAAAAZAAAAGQAAAAVAAAAYAAAAAAAAAAAAAAADwAAACADAAAAAAAAAAAAAAEAAACgMgAAAAAAAAAAAAABAAAAf39/AAEAAABkAAAAAAAAABQAAABAHwAAAAAAACYAAAAAAAAAwOD//wAAAAAmAAAAZAAAABYAAABMAAAAAAAAAAAAAAAEAAAAAAAAAAEAAACAgIAKAAAAACgAAAAoAAAAZAAAAGQAAAAAAAAAzMzMAAAAAABQAAAAUAAAAGQAAABkAAAAAAAAABcAAAAUAAAAAAAAAAAAAAD/fwAA/38AAAAAAAAJAAAABAAAAON4AAAMAAAAEAAAAAAAAAAAAAAAAAAAAAAAAAAeAAAAaAAAAAAAAAAAAAAAAAAAAAAAAAAAAAAAECcAABAnAAAAAAAAAAAAAAAAAAAAAAAAAAAAAAAAAAAAAAAAAAAAABQAAAAAAAAAwMD/AAAAAABkAAAAMgAAAAAAAABkAAAAAAAAAH9/fwAKAAAAHwAAAFQAAAC74OMF////AQAAAAAAAAAAAAAAAAAAAAAAAAAAAAAAAAAAAAAAAAAAVVVVAH9/fwCAgIADzMzMAMDA/wB/f38AAAAAAAAAAAAAAAAAAAAAAAAAAAAhAAAAGAAAABQAAAACDwAA/xEAADAVAAA0FAAAEAAAACYAAAAIAAAA//////////8="/>
+                <pr:smNativeData xmlns:pr="smNativeData" val="SMDATA_13_IrKAXRMAAAAlAAAACgAAAA8BAAAAkAAAAEgAAACQAAAASAAAAAAAAAAAAAAAAAAAAAEAAABQAAAAAAAAAAAA4D8AAAAAAADgPwAAAAAAAOA/AAAAAAAA4D8AAAAAAADgPwAAAAAAAOA/AAAAAAAA4D8AAAAAAADgPwAAAAAAAOA/AAAAAAAA4D8CAAAAjAAAAAAAAAAAAAAAu+DjDP///wgAAAAAAAAAAAAAAAAAAAAAAAAAAAAAAAAAAAAAZAAAAAEAAABAAAAAAAAAAAAAAAAAAAAAAAAAAAAAAAAAAAAAAAAAAAAAAAAAAAAAAAAAAAAAAAAAAAAAAAAAAAAAAAAAAAAAAAAAAAAAAAAAAAAAAAAAAAAAAAAAAAAAFAAAADwAAAABAAAAAAAAAFVVVQBQAAAAAQAAAAQAAAAAAAAAAAAAAAAAAAAAAAAAZAAAAGQAAAACAAAAZAAAAGQAAAAVAAAAYAAAAAAAAAAAAAAADwAAACADAAAAAAAAAAAAAAEAAACgMgAAAAAAAAAAAAABAAAAf39/AAEAAABkAAAAAAAAABQAAABAHwAAAAAAACYAAAAAAAAAwOD//wAAAAAmAAAAZAAAABYAAABMAAAAAAAAAAAAAAAEAAAAAAAAAAEAAACAgIAKAAAAACgAAAAoAAAAZAAAAGQAAAAAAAAAzMzMAAAAAABQAAAAUAAAAGQAAABkAAAAAAAAABcAAAAUAAAAAAAAAAAAAAD/fwAA/38AAAAAAAAJAAAABAAAAON4AAAMAAAAEAAAAAAAAAAAAAAAAAAAAAAAAAAeAAAAaAAAAAAAAAAAAAAAAAAAAAAAAAAAAAAAECcAABAnAAAAAAAAAAAAAAAAAAAAAAAAAAAAAAAAAAAAAAAAAAAAABQAAAAAAAAAwMD/AAAAAABkAAAAMgAAAAAAAABkAAAAAAAAAH9/fwAKAAAAHwAAAFQAAAC74OMF////AQAAAAAAAAAAAAAAAAAAAAAAAAAAAAAAAAAAAAAAAAAAVVVVAH9/fwCAgIADzMzMAMDA/wB/f38AAAAAAAAAAAAAAAAAAAAAAAAAAAAhAAAAGAAAABQAAAACDwAA/xEAADAVAAA0FAAAEAAAACYAAAAIAAAA//////////8="/>
               </a:ext>
             </a:extLst>
           </p:cNvSpPr>
@@ -5706,7 +5706,7 @@
           <p:cNvSpPr>
             <a:extLst>
               <a:ext uri="smNativeData">
-                <pr:smNativeData xmlns:pr="smNativeData" val="SMDATA_13_BbpsXRMAAAAlAAAACgAAAA8BAAAAkAAAAEgAAACQAAAASAAAAAAAAAAAAAAAAAAAAAEAAABQAAAAAAAAAAAA4D8AAAAAAADgPwAAAAAAAOA/AAAAAAAA4D8AAAAAAADgPwAAAAAAAOA/AAAAAAAA4D8AAAAAAADgPwAAAAAAAOA/AAAAAAAA4D8CAAAAjAAAAAAAAAAAAAAAu+DjDP///wgAAAAAAAAAAAAAAAAAAAAAAAAAAAAAAAAAAAAAZAAAAAEAAABAAAAAAAAAAAAAAAAAAAAAAAAAAAAAAAAAAAAAAAAAAAAAAAAAAAAAAAAAAAAAAAAAAAAAAAAAAAAAAAAAAAAAAAAAAAAAAAAAAAAAAAAAAAAAAAAAAAAAFAAAADwAAAABAAAAAAAAAFVVVQBQAAAAAQAAAAQAAAAAAAAAAAAAAAAAAAAAAAAAZAAAAGQAAAACAAAAZAAAAGQAAAAVAAAAYAAAAAAAAAAAAAAADwAAACADAAAAAAAAAAAAAAEAAACgMgAAAAAAAAAAAAABAAAAf39/AAEAAABkAAAAAAAAABQAAABAHwAAAAAAACYAAAAAAAAAwOD//wAAAAAmAAAAZAAAABYAAABMAAAAAAAAAAAAAAAEAAAAAAAAAAEAAACAgIAKAAAAACgAAAAoAAAAZAAAAGQAAAAAAAAAzMzMAAAAAABQAAAAUAAAAGQAAABkAAAAAAAAABcAAAAUAAAAAAAAAAAAAAD/fwAA/38AAAAAAAAJAAAABAAAAON4AAAMAAAAEAAAAAAAAAAAAAAAAAAAAAAAAAAeAAAAaAAAAAAAAAAAAAAAAAAAAAAAAAAAAAAAECcAABAnAAAAAAAAAAAAAAAAAAAAAAAAAAAAAAAAAAAAAAAAAAAAABQAAAAAAAAAwMD/AAAAAABkAAAAMgAAAAAAAABkAAAAAAAAAH9/fwAKAAAAHwAAAFQAAAC74OMF////AQAAAAAAAAAAAAAAAAAAAAAAAAAAAAAAAAAAAAAAAAAAVVVVAH9/fwCAgIADzMzMAMDA/wB/f38AAAAAAAAAAAAAAAAAAAAAAAAAAAAhAAAAGAAAABQAAAC9DgAAKiEAAL8OAADQIwAAEAAAACYAAAAIAAAA//////////8="/>
+                <pr:smNativeData xmlns:pr="smNativeData" val="SMDATA_13_IrKAXRMAAAAlAAAACgAAAA8BAAAAkAAAAEgAAACQAAAASAAAAAAAAAAAAAAAAAAAAAEAAABQAAAAAAAAAAAA4D8AAAAAAADgPwAAAAAAAOA/AAAAAAAA4D8AAAAAAADgPwAAAAAAAOA/AAAAAAAA4D8AAAAAAADgPwAAAAAAAOA/AAAAAAAA4D8CAAAAjAAAAAAAAAAAAAAAu+DjDP///wgAAAAAAAAAAAAAAAAAAAAAAAAAAAAAAAAAAAAAZAAAAAEAAABAAAAAAAAAAAAAAAAAAAAAAAAAAAAAAAAAAAAAAAAAAAAAAAAAAAAAAAAAAAAAAAAAAAAAAAAAAAAAAAAAAAAAAAAAAAAAAAAAAAAAAAAAAAAAAAAAAAAAFAAAADwAAAABAAAAAAAAAFVVVQBQAAAAAQAAAAQAAAAAAAAAAAAAAAAAAAAAAAAAZAAAAGQAAAACAAAAZAAAAGQAAAAVAAAAYAAAAAAAAAAAAAAADwAAACADAAAAAAAAAAAAAAEAAACgMgAAAAAAAAAAAAABAAAAf39/AAEAAABkAAAAAAAAABQAAABAHwAAAAAAACYAAAAAAAAAwOD//wAAAAAmAAAAZAAAABYAAABMAAAAAAAAAAAAAAAEAAAAAAAAAAEAAACAgIAKAAAAACgAAAAoAAAAZAAAAGQAAAAAAAAAzMzMAAAAAABQAAAAUAAAAGQAAABkAAAAAAAAABcAAAAUAAAAAAAAAAAAAAD/fwAA/38AAAAAAAAJAAAABAAAAON4AAAMAAAAEAAAAAAAAAAAAAAAAAAAAAAAAAAeAAAAaAAAAAAAAAAAAAAAAAAAAAAAAAAAAAAAECcAABAnAAAAAAAAAAAAAAAAAAAAAAAAAAAAAAAAAAAAAAAAAAAAABQAAAAAAAAAwMD/AAAAAABkAAAAMgAAAAAAAABkAAAAAAAAAH9/fwAKAAAAHwAAAFQAAAC74OMF////AQAAAAAAAAAAAAAAAAAAAAAAAAAAAAAAAAAAAAAAAAAAVVVVAH9/fwCAgIADzMzMAMDA/wB/f38AAAAAAAAAAAAAAAAAAAAAAAAAAAAhAAAAGAAAABQAAAC9DgAAKiEAAL8OAADQIwAAEAAAACYAAAAIAAAA//////////8="/>
               </a:ext>
             </a:extLst>
           </p:cNvSpPr>
@@ -5738,7 +5738,7 @@
           <p:cNvSpPr>
             <a:extLst>
               <a:ext uri="smNativeData">
-                <pr:smNativeData xmlns:pr="smNativeData" val="SMDATA_13_BbpsXRMAAAAlAAAACgAAAA8BAAAAkAAAAEgAAACQAAAASAAAAAAAAAAAAAAAAAAAAAEAAABQAAAAAAAAAAAA4D8AAAAAAADgPwAAAAAAAOA/AAAAAAAA4D8AAAAAAADgPwAAAAAAAOA/AAAAAAAA4D8AAAAAAADgPwAAAAAAAOA/AAAAAAAA4D8CAAAAjAAAAAAAAAAAAAAAu+DjDP///wgAAAAAAAAAAAAAAAAAAAAAAAAAAAAAAAAAAAAAZAAAAAEAAABAAAAAAAAAAAAAAAAAAAAAAAAAAAAAAAAAAAAAAAAAAAAAAAAAAAAAAAAAAAAAAAAAAAAAAAAAAAAAAAAAAAAAAAAAAAAAAAAAAAAAAAAAAAAAAAAAAAAAFAAAADwAAAABAAAAAAAAAFVVVQBQAAAAAQAAAAQAAAAAAAAAAAAAAAAAAAAAAAAAZAAAAGQAAAACAAAAZAAAAGQAAAAVAAAAYAAAAAAAAAAAAAAADwAAACADAAAAAAAAAAAAAAEAAACgMgAAAAAAAAAAAAABAAAAf39/AAEAAABkAAAAAAAAABQAAABAHwAAAAAAACYAAAAAAAAAwOD//wAAAAAmAAAAZAAAABYAAABMAAAAAAAAAAAAAAAEAAAAAAAAAAEAAACAgIAKAAAAACgAAAAoAAAAZAAAAGQAAAAAAAAAzMzMAAAAAABQAAAAUAAAAGQAAABkAAAAAAAAABcAAAAUAAAAAAAAAAAAAAD/fwAA/38AAAAAAAAJAAAABAAAAC1yLW4MAAAAEAAAAAAAAAAAAAAAAAAAAAAAAAAeAAAAaAAAAAAAAAAAAAAAAAAAAAAAAAAAAAAAECcAABAnAAAAAAAAAAAAAAAAAAAAAAAAAAAAAAAAAAAAAAAAAAAAABQAAAAAAAAAwMD/AAAAAABkAAAAMgAAAAAAAABkAAAAAAAAAH9/fwAKAAAAHwAAAFQAAAC74OMF////AQAAAAAAAAAAAAAAAAAAAAAAAAAAAAAAAAAAAAAAAAAAVVVVAH9/fwCAgIADzMzMAMDA/wB/f38AAAAAAAAAAAAAAAAAAAAAAAAAAAAhAAAAGAAAABQAAADXDgAAdBkAANkOAAAaHAAAEAAAACYAAAAIAAAA//////////8="/>
+                <pr:smNativeData xmlns:pr="smNativeData" val="SMDATA_13_IrKAXRMAAAAlAAAACgAAAA8BAAAAkAAAAEgAAACQAAAASAAAAAAAAAAAAAAAAAAAAAEAAABQAAAAAAAAAAAA4D8AAAAAAADgPwAAAAAAAOA/AAAAAAAA4D8AAAAAAADgPwAAAAAAAOA/AAAAAAAA4D8AAAAAAADgPwAAAAAAAOA/AAAAAAAA4D8CAAAAjAAAAAAAAAAAAAAAu+DjDP///wgAAAAAAAAAAAAAAAAAAAAAAAAAAAAAAAAAAAAAZAAAAAEAAABAAAAAAAAAAAAAAAAAAAAAAAAAAAAAAAAAAAAAAAAAAAAAAAAAAAAAAAAAAAAAAAAAAAAAAAAAAAAAAAAAAAAAAAAAAAAAAAAAAAAAAAAAAAAAAAAAAAAAFAAAADwAAAABAAAAAAAAAFVVVQBQAAAAAQAAAAQAAAAAAAAAAAAAAAAAAAAAAAAAZAAAAGQAAAACAAAAZAAAAGQAAAAVAAAAYAAAAAAAAAAAAAAADwAAACADAAAAAAAAAAAAAAEAAACgMgAAAAAAAAAAAAABAAAAf39/AAEAAABkAAAAAAAAABQAAABAHwAAAAAAACYAAAAAAAAAwOD//wAAAAAmAAAAZAAAABYAAABMAAAAAAAAAAAAAAAEAAAAAAAAAAEAAACAgIAKAAAAACgAAAAoAAAAZAAAAGQAAAAAAAAAzMzMAAAAAABQAAAAUAAAAGQAAABkAAAAAAAAABcAAAAUAAAAAAAAAAAAAAD/fwAA/38AAAAAAAAJAAAABAAAAC1yLW4MAAAAEAAAAAAAAAAAAAAAAAAAAAAAAAAeAAAAaAAAAAAAAAAAAAAAAAAAAAAAAAAAAAAAECcAABAnAAAAAAAAAAAAAAAAAAAAAAAAAAAAAAAAAAAAAAAAAAAAABQAAAAAAAAAwMD/AAAAAABkAAAAMgAAAAAAAABkAAAAAAAAAH9/fwAKAAAAHwAAAFQAAAC74OMF////AQAAAAAAAAAAAAAAAAAAAAAAAAAAAAAAAAAAAAAAAAAAVVVVAH9/fwCAgIADzMzMAMDA/wB/f38AAAAAAAAAAAAAAAAAAAAAAAAAAAAhAAAAGAAAABQAAADXDgAAdBkAANkOAAAaHAAAEAAAACYAAAAIAAAA//////////8="/>
               </a:ext>
             </a:extLst>
           </p:cNvSpPr>
@@ -5770,7 +5770,7 @@
           <p:cNvSpPr>
             <a:extLst>
               <a:ext uri="smNativeData">
-                <pr:smNativeData xmlns:pr="smNativeData" val="SMDATA_13_BbpsXRMAAAAlAAAACgAAAA8BAAAAkAAAAEgAAACQAAAASAAAAAAAAAAAAAAAAAAAAAEAAABQAAAAAAAAAAAA4D8AAAAAAADgPwAAAAAAAOA/AAAAAAAA4D8AAAAAAADgPwAAAAAAAOA/AAAAAAAA4D8AAAAAAADgPwAAAAAAAOA/AAAAAAAA4D8CAAAAjAAAAAAAAAAAAAAAu+DjDP///wgAAAAAAAAAAAAAAAAAAAAAAAAAAAAAAAAAAAAAZAAAAAEAAABAAAAAAAAAAAAAAAAAAAAAAAAAAAAAAAAAAAAAAAAAAAAAAAAAAAAAAAAAAAAAAAAAAAAAAAAAAAAAAAAAAAAAAAAAAAAAAAAAAAAAAAAAAAAAAAAAAAAAFAAAADwAAAABAAAAAAAAAFVVVQBQAAAAAQAAAAQAAAAAAAAAAAAAAAAAAAAAAAAAZAAAAGQAAAACAAAAZAAAAGQAAAAVAAAAYAAAAAAAAAAAAAAADwAAACADAAAAAAAAAAAAAAEAAACgMgAAAAAAAAAAAAABAAAAf39/AAEAAABkAAAAAAAAABQAAABAHwAAAAAAACYAAAAAAAAAwOD//wAAAAAmAAAAZAAAABYAAABMAAAAAAAAAAAAAAAEAAAAAAAAAAEAAACAgIAKAAAAACgAAAAoAAAAZAAAAGQAAAAAAAAAzMzMAAAAAABQAAAAUAAAAGQAAABkAAAAAAAAABcAAAAUAAAAAAAAAAAAAAD/fwAA/38AAAAAAAAJAAAABAAAAAAAAAAMAAAAEAAAAAAAAAAAAAAAAAAAAAAAAAAeAAAAaAAAAAAAAAAAAAAAAAAAAAAAAAAAAAAAECcAABAnAAAAAAAAAAAAAAAAAAAAAAAAAAAAAAAAAAAAAAAAAAAAABQAAAAAAAAAwMD/AAAAAABkAAAAMgAAAAAAAABkAAAAAAAAAH9/fwAKAAAAHwAAAFQAAAC74OMF////AQAAAAAAAAAAAAAAAAAAAAAAAAAAAAAAAAAAAAAAAAAAVVVVAH9/fwCAgIADzMzMAMDA/wB/f38AAAAAAAAAAAAAAAAAAAAAAAAAAAAhAAAAGAAAABQAAAA3HAAAjBkAADkcAAAyHAAAEAAAACYAAAAIAAAA//////////8="/>
+                <pr:smNativeData xmlns:pr="smNativeData" val="SMDATA_13_IrKAXRMAAAAlAAAACgAAAA8BAAAAkAAAAEgAAACQAAAASAAAAAAAAAAAAAAAAAAAAAEAAABQAAAAAAAAAAAA4D8AAAAAAADgPwAAAAAAAOA/AAAAAAAA4D8AAAAAAADgPwAAAAAAAOA/AAAAAAAA4D8AAAAAAADgPwAAAAAAAOA/AAAAAAAA4D8CAAAAjAAAAAAAAAAAAAAAu+DjDP///wgAAAAAAAAAAAAAAAAAAAAAAAAAAAAAAAAAAAAAZAAAAAEAAABAAAAAAAAAAAAAAAAAAAAAAAAAAAAAAAAAAAAAAAAAAAAAAAAAAAAAAAAAAAAAAAAAAAAAAAAAAAAAAAAAAAAAAAAAAAAAAAAAAAAAAAAAAAAAAAAAAAAAFAAAADwAAAABAAAAAAAAAFVVVQBQAAAAAQAAAAQAAAAAAAAAAAAAAAAAAAAAAAAAZAAAAGQAAAACAAAAZAAAAGQAAAAVAAAAYAAAAAAAAAAAAAAADwAAACADAAAAAAAAAAAAAAEAAACgMgAAAAAAAAAAAAABAAAAf39/AAEAAABkAAAAAAAAABQAAABAHwAAAAAAACYAAAAAAAAAwOD//wAAAAAmAAAAZAAAABYAAABMAAAAAAAAAAAAAAAEAAAAAAAAAAEAAACAgIAKAAAAACgAAAAoAAAAZAAAAGQAAAAAAAAAzMzMAAAAAABQAAAAUAAAAGQAAABkAAAAAAAAABcAAAAUAAAAAAAAAAAAAAD/fwAA/38AAAAAAAAJAAAABAAAAAAAAAAMAAAAEAAAAAAAAAAAAAAAAAAAAAAAAAAeAAAAaAAAAAAAAAAAAAAAAAAAAAAAAAAAAAAAECcAABAnAAAAAAAAAAAAAAAAAAAAAAAAAAAAAAAAAAAAAAAAAAAAABQAAAAAAAAAwMD/AAAAAABkAAAAMgAAAAAAAABkAAAAAAAAAH9/fwAKAAAAHwAAAFQAAAC74OMF////AQAAAAAAAAAAAAAAAAAAAAAAAAAAAAAAAAAAAAAAAAAAVVVVAH9/fwCAgIADzMzMAMDA/wB/f38AAAAAAAAAAAAAAAAAAAAAAAAAAAAhAAAAGAAAABQAAAA3HAAAjBkAADkcAAAyHAAAEAAAACYAAAAIAAAA//////////8="/>
               </a:ext>
             </a:extLst>
           </p:cNvSpPr>
@@ -5802,7 +5802,7 @@
           <p:cNvSpPr>
             <a:extLst>
               <a:ext uri="smNativeData">
-                <pr:smNativeData xmlns:pr="smNativeData" val="SMDATA_13_BbpsXRMAAAAlAAAACgAAAA8BAAAAkAAAAEgAAACQAAAASAAAAAAAAAAAAAAAAAAAAAEAAABQAAAAAAAAAAAA4D8AAAAAAADgPwAAAAAAAOA/AAAAAAAA4D8AAAAAAADgPwAAAAAAAOA/AAAAAAAA4D8AAAAAAADgPwAAAAAAAOA/AAAAAAAA4D8CAAAAjAAAAAAAAAAAAAAAu+DjDP///wgAAAAAAAAAAAAAAAAAAAAAAAAAAAAAAAAAAAAAZAAAAAEAAABAAAAAAAAAAAAAAAAAAAAAAAAAAAAAAAAAAAAAAAAAAAAAAAAAAAAAAAAAAAAAAAAAAAAAAAAAAAAAAAAAAAAAAAAAAAAAAAAAAAAAAAAAAAAAAAAAAAAAFAAAADwAAAABAAAAAAAAAFVVVQBQAAAAAQAAAAQAAAAAAAAAAAAAAAAAAAAAAAAAZAAAAGQAAAACAAAAZAAAAGQAAAAVAAAAYAAAAAAAAAAAAAAADwAAACADAAAAAAAAAAAAAAEAAACgMgAAAAAAAAAAAAABAAAAf39/AAEAAABkAAAAAAAAABQAAABAHwAAAAAAACYAAAAAAAAAwOD//wAAAAAmAAAAZAAAABYAAABMAAAAAAAAAAAAAAAEAAAAAAAAAAEAAACAgIAKAAAAACgAAAAoAAAAZAAAAGQAAAAAAAAAzMzMAAAAAABQAAAAUAAAAGQAAABkAAAAAAAAABcAAAAUAAAAAAAAAAAAAAD/fwAA/38AAAAAAAAJAAAABAAAAAAAAAAMAAAAEAAAAAAAAAAAAAAAAAAAAAAAAAAeAAAAaAAAAAAAAAAAAAAAAAAAAAAAAAAAAAAAECcAABAnAAAAAAAAAAAAAAAAAAAAAAAAAAAAAAAAAAAAAAAAAAAAABQAAAAAAAAAwMD/AAAAAABkAAAAMgAAAAAAAABkAAAAAAAAAH9/fwAKAAAAHwAAAFQAAAC74OMF////AQAAAAAAAAAAAAAAAAAAAAAAAAAAAAAAAAAAAAAAAAAAVVVVAH9/fwCAgIADzMzMAMDA/wB/f38AAAAAAAAAAAAAAAAAAAAAAAAAAAAhAAAAGAAAABQAAAAfHAAAcBIAACEcAAAYFAAAEAAAACYAAAAIAAAA//////////8="/>
+                <pr:smNativeData xmlns:pr="smNativeData" val="SMDATA_13_IrKAXRMAAAAlAAAACgAAAA8BAAAAkAAAAEgAAACQAAAASAAAAAAAAAAAAAAAAAAAAAEAAABQAAAAAAAAAAAA4D8AAAAAAADgPwAAAAAAAOA/AAAAAAAA4D8AAAAAAADgPwAAAAAAAOA/AAAAAAAA4D8AAAAAAADgPwAAAAAAAOA/AAAAAAAA4D8CAAAAjAAAAAAAAAAAAAAAu+DjDP///wgAAAAAAAAAAAAAAAAAAAAAAAAAAAAAAAAAAAAAZAAAAAEAAABAAAAAAAAAAAAAAAAAAAAAAAAAAAAAAAAAAAAAAAAAAAAAAAAAAAAAAAAAAAAAAAAAAAAAAAAAAAAAAAAAAAAAAAAAAAAAAAAAAAAAAAAAAAAAAAAAAAAAFAAAADwAAAABAAAAAAAAAFVVVQBQAAAAAQAAAAQAAAAAAAAAAAAAAAAAAAAAAAAAZAAAAGQAAAACAAAAZAAAAGQAAAAVAAAAYAAAAAAAAAAAAAAADwAAACADAAAAAAAAAAAAAAEAAACgMgAAAAAAAAAAAAABAAAAf39/AAEAAABkAAAAAAAAABQAAABAHwAAAAAAACYAAAAAAAAAwOD//wAAAAAmAAAAZAAAABYAAABMAAAAAAAAAAAAAAAEAAAAAAAAAAEAAACAgIAKAAAAACgAAAAoAAAAZAAAAGQAAAAAAAAAzMzMAAAAAABQAAAAUAAAAGQAAABkAAAAAAAAABcAAAAUAAAAAAAAAAAAAAD/fwAA/38AAAAAAAAJAAAABAAAAAAAAAAMAAAAEAAAAAAAAAAAAAAAAAAAAAAAAAAeAAAAaAAAAAAAAAAAAAAAAAAAAAAAAAAAAAAAECcAABAnAAAAAAAAAAAAAAAAAAAAAAAAAAAAAAAAAAAAAAAAAAAAABQAAAAAAAAAwMD/AAAAAABkAAAAMgAAAAAAAABkAAAAAAAAAH9/fwAKAAAAHwAAAFQAAAC74OMF////AQAAAAAAAAAAAAAAAAAAAAAAAAAAAAAAAAAAAAAAAAAAVVVVAH9/fwCAgIADzMzMAMDA/wB/f38AAAAAAAAAAAAAAAAAAAAAAAAAAAAhAAAAGAAAABQAAAAfHAAAcBIAACEcAAAYFAAAEAAAACYAAAAIAAAA//////////8="/>
               </a:ext>
             </a:extLst>
           </p:cNvSpPr>
@@ -5834,7 +5834,7 @@
           <p:cNvSpPr>
             <a:extLst>
               <a:ext uri="smNativeData">
-                <pr:smNativeData xmlns:pr="smNativeData" val="SMDATA_13_BbpsXRMAAAAlAAAAZAAAAA8BAAAAkAAAAEgAAACQAAAASAAAAAAAAAABAAAAAAAAAAEAAABQAAAAAAAAAAAA4D8AAAAAAADgPwAAAAAAAOA/AAAAAAAA4D8AAAAAAADgPwAAAAAAAOA/AAAAAAAA4D8AAAAAAADgPwAAAAAAAOA/AAAAAAAA4D8CAAAAjAAAAAAAAAAAAAAAu+DjDP///wgAAAAAAAAAAAAAAAAAAAAAAAAAAAAAAAAAAAAAZAAAAAEAAABAAAAAAAAAAAAAAAAAAAAAAAAAAAAAAAAAAAAAAAAAAAAAAAAAAAAAAAAAAAAAAAAAAAAAAAAAAAAAAAAAAAAAAAAAAAAAAAAAAAAAAAAAAAAAAAAAAAAAFAAAADwAAAAAAAAAAAAAAAAAAAkUAAAAAQAAABQAAAAUAAAAFAAAAAEAAAAAAAAAZAAAAGQAAAAAAAAAZAAAAGQAAAAVAAAAYAAAAAAAAAAAAAAADwAAACADAAAAAAAAAAAAAAEAAACgMgAAVgcAAKr4//8BAAAAf39/AAEAAABkAAAAAAAAABQAAABAHwAAAAAAACYAAAAAAAAAwOD//wAAAAAmAAAAZAAAABYAAABMAAAAAAAAAAAAAAAEAAAAAAAAAAEAAACAgIAKAAAAACgAAAAoAAAAZAAAAGQAAAAAAAAAzMzMAAAAAABQAAAAUAAAAGQAAABkAAAAAAAAABcAAAAUAAAAAAAAAAAAAAD/fwAA/38AAAAAAAAJAAAABAAAAHlsZT4MAAAAEAAAAAAAAAAAAAAAAAAAAAAAAAAeAAAAaAAAAAAAAAAAAAAAAAAAAAAAAAAAAAAAECcAABAnAAAAAAAAAAAAAAAAAAAAAAAAAAAAAAAAAAAAAAAAAAAAABQAAAAAAAAAwMD/AAAAAABkAAAAMgAAAAAAAABkAAAAAAAAAH9/fwAKAAAAHwAAAFQAAAC74OMF////AQAAAAAAAAAAAAAAAAAAAAAAAAAAAAAAAAAAAAAAAAAAAAAAAn9/fwCAgIADzMzMAMDA/wB/f38AAAAAAAAAAAAAAAAAAAAAAAAAAAAhAAAAGAAAABQAAABqBAAAiAMAABY0AAAoBwAAEAAAACYAAAAIAAAA//////////8="/>
+                <pr:smNativeData xmlns:pr="smNativeData" val="SMDATA_13_IrKAXRMAAAAlAAAAZAAAAA8BAAAAkAAAAEgAAACQAAAASAAAAAAAAAABAAAAAAAAAAEAAABQAAAAAAAAAAAA4D8AAAAAAADgPwAAAAAAAOA/AAAAAAAA4D8AAAAAAADgPwAAAAAAAOA/AAAAAAAA4D8AAAAAAADgPwAAAAAAAOA/AAAAAAAA4D8CAAAAjAAAAAAAAAAAAAAAu+DjDP///wgAAAAAAAAAAAAAAAAAAAAAAAAAAAAAAAAAAAAAZAAAAAEAAABAAAAAAAAAAAAAAAAAAAAAAAAAAAAAAAAAAAAAAAAAAAAAAAAAAAAAAAAAAAAAAAAAAAAAAAAAAAAAAAAAAAAAAAAAAAAAAAAAAAAAAAAAAAAAAAAAAAAAFAAAADwAAAAAAAAAAAAAAAAAAAkUAAAAAQAAABQAAAAUAAAAFAAAAAEAAAAAAAAAZAAAAGQAAAAAAAAAZAAAAGQAAAAVAAAAYAAAAAAAAAAAAAAADwAAACADAAAAAAAAAAAAAAEAAACgMgAAVgcAAKr4//8BAAAAf39/AAEAAABkAAAAAAAAABQAAABAHwAAAAAAACYAAAAAAAAAwOD//wAAAAAmAAAAZAAAABYAAABMAAAAAAAAAAAAAAAEAAAAAAAAAAEAAACAgIAKAAAAACgAAAAoAAAAZAAAAGQAAAAAAAAAzMzMAAAAAABQAAAAUAAAAGQAAABkAAAAAAAAABcAAAAUAAAAAAAAAAAAAAD/fwAA/38AAAAAAAAJAAAABAAAAHlsZT4MAAAAEAAAAAAAAAAAAAAAAAAAAAAAAAAeAAAAaAAAAAAAAAAAAAAAAAAAAAAAAAAAAAAAECcAABAnAAAAAAAAAAAAAAAAAAAAAAAAAAAAAAAAAAAAAAAAAAAAABQAAAAAAAAAwMD/AAAAAABkAAAAMgAAAAAAAABkAAAAAAAAAH9/fwAKAAAAHwAAAFQAAAC74OMF////AQAAAAAAAAAAAAAAAAAAAAAAAAAAAAAAAAAAAAAAAAAAAAAAAn9/fwCAgIADzMzMAMDA/wB/f38AAAAAAAAAAAAAAAAAAAAAAAAAAAAhAAAAGAAAABQAAABqBAAAiAMAABY0AAAoBwAAEAAAACYAAAAIAAAA//////////8="/>
               </a:ext>
             </a:extLst>
           </p:cNvSpPr>
@@ -5880,7 +5880,7 @@
           <p:cNvSpPr>
             <a:extLst>
               <a:ext uri="smNativeData">
-                <pr:smNativeData xmlns:pr="smNativeData" val="SMDATA_13_BbpsXRMAAAAlAAAAZAAAAA8BAAAAkAAAAEgAAACQAAAASAAAAAAAAAAAAAAAAAAAAAEAAABQAAAAAAAAAAAA4D8AAAAAAADgPwAAAAAAAOA/AAAAAAAA4D8AAAAAAADgPwAAAAAAAOA/AAAAAAAA4D8AAAAAAADgPwAAAAAAAOA/AAAAAAAA4D8CAAAAjAAAAAAAAAAAAAAAu+DjDP///wgAAAAAAAAAAAAAAAAAAAAAAAAAAAAAAAAAAAAAZAAAAAEAAABAAAAAAAAAAAAAAAAAAAAAAAAAAAAAAAAAAAAAAAAAAAAAAAAAAAAAAAAAAAAAAAAAAAAAAAAAAAAAAAAAAAAAAAAAAAAAAAAAAAAAAAAAAAAAAAAAAAAAFAAAADwAAAABAAAAAAAAAB4eHgB4AAAAAQAAAAYAAAAAAAAAAAAAAAAAAAAAAAAAZAAAAGQAAAAAAAAAZAAAAGQAAAAVAAAAYAAAAAAAAAAAAAAADwAAACADAAAAAAAAAAAAAAEAAACgMgAAAAAAAAAAAAABAAAAf39/AAEAAABkAAAAAAAAABQAAABAHwAAAAAAACYAAAAAAAAAwOD//wAAAAAmAAAAZAAAABYAAABMAAAAAAAAAAAAAAAEAAAAAAAAAAEAAACAgIAKAAAAACgAAAAoAAAAZAAAAGQAAAAAAAAAzMzMAAAAAABQAAAAUAAAAGQAAABkAAAAAAAAABcAAAAUAAAAAAAAAAAAAAD/fwAA/38AAAAAAAAJAAAABAAAAAAAAAAMAAAAEAAAAAAAAAAAAAAAAAAAAAAAAAAeAAAAaAAAAAAAAAAAAAAAAAAAAAAAAAAAAAAAECcAABAnAAAAAAAAAAAAAAAAAAAAAAAAAAAAAAAAAAAAAAAAPAAAABQAAAAoAAAAHh4eAAAAAABkAAAAMgAAAAAAAABkAAAAAAAAAH9/fwAKAAAAHwAAAFQAAAC74OMF////AQAAAAAAAAAAAAAAAAAAAAAAAAAAAAAAAAAAAAAAAAAAHh4eAH9/fwCAgIADzMzMAB4eHgB/f38AAAAAAAAAAAAAAAAAAAAAAAAAAAAhAAAAGAAAABQAAADMGQAADQoAAKceAADoDgAAEAAAACYAAAAIAAAA//////////8="/>
+                <pr:smNativeData xmlns:pr="smNativeData" val="SMDATA_13_IrKAXRMAAAAlAAAAZAAAAA8BAAAAkAAAAEgAAACQAAAASAAAAAAAAAAAAAAAAAAAAAEAAABQAAAAAAAAAAAA4D8AAAAAAADgPwAAAAAAAOA/AAAAAAAA4D8AAAAAAADgPwAAAAAAAOA/AAAAAAAA4D8AAAAAAADgPwAAAAAAAOA/AAAAAAAA4D8CAAAAjAAAAAAAAAAAAAAAu+DjDP///wgAAAAAAAAAAAAAAAAAAAAAAAAAAAAAAAAAAAAAZAAAAAEAAABAAAAAAAAAAAAAAAAAAAAAAAAAAAAAAAAAAAAAAAAAAAAAAAAAAAAAAAAAAAAAAAAAAAAAAAAAAAAAAAAAAAAAAAAAAAAAAAAAAAAAAAAAAAAAAAAAAAAAFAAAADwAAAABAAAAAAAAAB4eHgB4AAAAAQAAAAYAAAAAAAAAAAAAAAAAAAAAAAAAZAAAAGQAAAAAAAAAZAAAAGQAAAAVAAAAYAAAAAAAAAAAAAAADwAAACADAAAAAAAAAAAAAAEAAACgMgAAAAAAAAAAAAABAAAAf39/AAEAAABkAAAAAAAAABQAAABAHwAAAAAAACYAAAAAAAAAwOD//wAAAAAmAAAAZAAAABYAAABMAAAAAAAAAAAAAAAEAAAAAAAAAAEAAACAgIAKAAAAACgAAAAoAAAAZAAAAGQAAAAAAAAAzMzMAAAAAABQAAAAUAAAAGQAAABkAAAAAAAAABcAAAAUAAAAAAAAAAAAAAD/fwAA/38AAAAAAAAJAAAABAAAAAAAAAAMAAAAEAAAAAAAAAAAAAAAAAAAAAAAAAAeAAAAaAAAAAAAAAAAAAAAAAAAAAAAAAAAAAAAECcAABAnAAAAAAAAAAAAAAAAAAAAAAAAAAAAAAAAAAAAAAAAPAAAABQAAAAoAAAAHh4eAAAAAABkAAAAMgAAAAAAAABkAAAAAAAAAH9/fwAKAAAAHwAAAFQAAAC74OMF////AQAAAAAAAAAAAAAAAAAAAAAAAAAAAAAAAAAAAAAAAAAAHh4eAH9/fwCAgIADzMzMAB4eHgB/f38AAAAAAAAAAAAAAAAAAAAAAAAAAAAhAAAAGAAAABQAAADMGQAADQoAAKceAADoDgAAEAAAACYAAAAIAAAA//////////8="/>
               </a:ext>
             </a:extLst>
           </p:cNvSpPr>
@@ -5919,7 +5919,7 @@
           <p:cNvSpPr>
             <a:extLst>
               <a:ext uri="smNativeData">
-                <pr:smNativeData xmlns:pr="smNativeData" val="SMDATA_13_BbpsXRMAAAAlAAAAZAAAAA8BAAAAkAAAAEgAAACQAAAASAAAAAAAAAAAAAAAAAAAAAEAAABQAAAAAAAAAAAA4D8AAAAAAADgPwAAAAAAAOA/AAAAAAAA4D8AAAAAAADgPwAAAAAAAOA/AAAAAAAA4D8AAAAAAADgPwAAAAAAAOA/AAAAAAAA4D8CAAAAjAAAAAAAAAAAAAAAu+DjDP///wgAAAAAAAAAAAAAAAAAAAAAAAAAAAAAAAAAAAAAZAAAAAEAAABAAAAAAAAAAAAAAAAAAAAAAAAAAAAAAAAAAAAAAAAAAAAAAAAAAAAAAAAAAAAAAAAAAAAAAAAAAAAAAAAAAAAAAAAAAAAAAAAAAAAAAAAAAAAAAAAAAAAAFAAAADwAAAABAAAAAAAAAB4eHgB4AAAAAQAAAAYAAAAAAAAAAAAAAAAAAAAAAAAAZAAAAGQAAAAAAAAAZAAAAGQAAAAVAAAAYAAAAAAAAAAAAAAADwAAACADAAAAAAAAAAAAAAEAAACgMgAAAAAAAAAAAAABAAAAf39/AAEAAABkAAAAAAAAABQAAABAHwAAAAAAACYAAAAAAAAAwOD//wAAAAAmAAAAZAAAABYAAABMAAAAAAAAAAAAAAAEAAAAAAAAAAEAAACAgIAKAAAAACgAAAAoAAAAZAAAAGQAAAAAAAAAzMzMAAAAAABQAAAAUAAAAGQAAABkAAAAAAAAABcAAAAUAAAAAAAAAAAAAAD/fwAA/38AAAAAAAAJAAAABAAAAAAAAAAMAAAAEAAAAAAAAAAAAAAAAAAAAAAAAAAeAAAAaAAAAAAAAAAAAAAAAAAAAAAAAAAAAAAAECcAABAnAAAAAAAAAAAAAAAAAAAAAAAAAAAAAAAAAAAAAAAAPAAAABQAAAAoAAAAHh4eAAAAAABkAAAAMgAAAAAAAABkAAAAAAAAAH9/fwAKAAAAHwAAAFQAAAC74OMF////AQAAAAAAAAAAAAAAAAAAAAAAAAAAAAAAAAAAAAAAAAAAHh4eAH9/fwCAgIADzMzMAB4eHgB/f38AAAAAAAAAAAAAAAAAAAAAAAAAAAAhAAAAGAAAABQAAADMGQAApRQAAKceAACAGQAAEAAAACYAAAAIAAAA//////////8="/>
+                <pr:smNativeData xmlns:pr="smNativeData" val="SMDATA_13_IrKAXRMAAAAlAAAAZAAAAA8BAAAAkAAAAEgAAACQAAAASAAAAAAAAAAAAAAAAAAAAAEAAABQAAAAAAAAAAAA4D8AAAAAAADgPwAAAAAAAOA/AAAAAAAA4D8AAAAAAADgPwAAAAAAAOA/AAAAAAAA4D8AAAAAAADgPwAAAAAAAOA/AAAAAAAA4D8CAAAAjAAAAAAAAAAAAAAAu+DjDP///wgAAAAAAAAAAAAAAAAAAAAAAAAAAAAAAAAAAAAAZAAAAAEAAABAAAAAAAAAAAAAAAAAAAAAAAAAAAAAAAAAAAAAAAAAAAAAAAAAAAAAAAAAAAAAAAAAAAAAAAAAAAAAAAAAAAAAAAAAAAAAAAAAAAAAAAAAAAAAAAAAAAAAFAAAADwAAAABAAAAAAAAAB4eHgB4AAAAAQAAAAYAAAAAAAAAAAAAAAAAAAAAAAAAZAAAAGQAAAAAAAAAZAAAAGQAAAAVAAAAYAAAAAAAAAAAAAAADwAAACADAAAAAAAAAAAAAAEAAACgMgAAAAAAAAAAAAABAAAAf39/AAEAAABkAAAAAAAAABQAAABAHwAAAAAAACYAAAAAAAAAwOD//wAAAAAmAAAAZAAAABYAAABMAAAAAAAAAAAAAAAEAAAAAAAAAAEAAACAgIAKAAAAACgAAAAoAAAAZAAAAGQAAAAAAAAAzMzMAAAAAABQAAAAUAAAAGQAAABkAAAAAAAAABcAAAAUAAAAAAAAAAAAAAD/fwAA/38AAAAAAAAJAAAABAAAAAAAAAAMAAAAEAAAAAAAAAAAAAAAAAAAAAAAAAAeAAAAaAAAAAAAAAAAAAAAAAAAAAAAAAAAAAAAECcAABAnAAAAAAAAAAAAAAAAAAAAAAAAAAAAAAAAAAAAAAAAPAAAABQAAAAoAAAAHh4eAAAAAABkAAAAMgAAAAAAAABkAAAAAAAAAH9/fwAKAAAAHwAAAFQAAAC74OMF////AQAAAAAAAAAAAAAAAAAAAAAAAAAAAAAAAAAAAAAAAAAAHh4eAH9/fwCAgIADzMzMAB4eHgB/f38AAAAAAAAAAAAAAAAAAAAAAAAAAAAhAAAAGAAAABQAAADMGQAApRQAAKceAACAGQAAEAAAACYAAAAIAAAA//////////8="/>
               </a:ext>
             </a:extLst>
           </p:cNvSpPr>
@@ -5958,7 +5958,7 @@
           <p:cNvSpPr>
             <a:extLst>
               <a:ext uri="smNativeData">
-                <pr:smNativeData xmlns:pr="smNativeData" val="SMDATA_13_BbpsXRMAAAAlAAAAZAAAAA8BAAAAkAAAAEgAAACQAAAASAAAAAAAAAAAAAAAAAAAAAEAAABQAAAAAAAAAAAA4D8AAAAAAADgPwAAAAAAAOA/AAAAAAAA4D8AAAAAAADgPwAAAAAAAOA/AAAAAAAA4D8AAAAAAADgPwAAAAAAAOA/AAAAAAAA4D8CAAAAjAAAAAAAAAAAAAAAu+DjDP///wgAAAAAAAAAAAAAAAAAAAAAAAAAAAAAAAAAAAAAZAAAAAEAAABAAAAAAAAAAAAAAAAAAAAAAAAAAAAAAAAAAAAAAAAAAAAAAAAAAAAAAAAAAAAAAAAAAAAAAAAAAAAAAAAAAAAAAAAAAAAAAAAAAAAAAAAAAAAAAAAAAAAAFAAAADwAAAABAAAAAAAAAB4eHgB4AAAAAQAAAAYAAAAAAAAAAAAAAAAAAAAAAAAAZAAAAGQAAAAAAAAAZAAAAGQAAAAVAAAAYAAAAAAAAAAAAAAADwAAACADAAAAAAAAAAAAAAEAAACgMgAAAAAAAAAAAAABAAAAf39/AAEAAABkAAAAAAAAABQAAABAHwAAAAAAACYAAAAAAAAAwOD//wAAAAAmAAAAZAAAABYAAABMAAAAAAAAAAAAAAAEAAAAAAAAAAEAAACAgIAKAAAAACgAAAAoAAAAZAAAAGQAAAAAAAAAzMzMAAAAAABQAAAAUAAAAGQAAABkAAAAAAAAABcAAAAUAAAAAAAAAAAAAAD/fwAA/38AAAAAAAAJAAAABAAAAAAAAAAMAAAAEAAAAAAAAAAAAAAAAAAAAAAAAAAeAAAAaAAAAAAAAAAAAAAAAAAAAAAAAAAAAAAAECcAABAnAAAAAAAAAAAAAAAAAAAAAAAAAAAAAAAAAAAAAAAAPAAAABQAAAAoAAAAHh4eAAAAAABkAAAAMgAAAAAAAABkAAAAAAAAAH9/fwAKAAAAHwAAAFQAAAC74OMF////AQAAAAAAAAAAAAAAAAAAAAAAAAAAAAAAAAAAAAAAAAAAHh4eAH9/fwCAgIADzMzMAB4eHgB/f38AAAAAAAAAAAAAAAAAAAAAAAAAAAAhAAAAGAAAABQAAADMGQAAZRwAAKceAABAIQAAEAAAACYAAAAIAAAA//////////8="/>
+                <pr:smNativeData xmlns:pr="smNativeData" val="SMDATA_13_IrKAXRMAAAAlAAAAZAAAAA8BAAAAkAAAAEgAAACQAAAASAAAAAAAAAAAAAAAAAAAAAEAAABQAAAAAAAAAAAA4D8AAAAAAADgPwAAAAAAAOA/AAAAAAAA4D8AAAAAAADgPwAAAAAAAOA/AAAAAAAA4D8AAAAAAADgPwAAAAAAAOA/AAAAAAAA4D8CAAAAjAAAAAAAAAAAAAAAu+DjDP///wgAAAAAAAAAAAAAAAAAAAAAAAAAAAAAAAAAAAAAZAAAAAEAAABAAAAAAAAAAAAAAAAAAAAAAAAAAAAAAAAAAAAAAAAAAAAAAAAAAAAAAAAAAAAAAAAAAAAAAAAAAAAAAAAAAAAAAAAAAAAAAAAAAAAAAAAAAAAAAAAAAAAAFAAAADwAAAABAAAAAAAAAB4eHgB4AAAAAQAAAAYAAAAAAAAAAAAAAAAAAAAAAAAAZAAAAGQAAAAAAAAAZAAAAGQAAAAVAAAAYAAAAAAAAAAAAAAADwAAACADAAAAAAAAAAAAAAEAAACgMgAAAAAAAAAAAAABAAAAf39/AAEAAABkAAAAAAAAABQAAABAHwAAAAAAACYAAAAAAAAAwOD//wAAAAAmAAAAZAAAABYAAABMAAAAAAAAAAAAAAAEAAAAAAAAAAEAAACAgIAKAAAAACgAAAAoAAAAZAAAAGQAAAAAAAAAzMzMAAAAAABQAAAAUAAAAGQAAABkAAAAAAAAABcAAAAUAAAAAAAAAAAAAAD/fwAA/38AAAAAAAAJAAAABAAAAAAAAAAMAAAAEAAAAAAAAAAAAAAAAAAAAAAAAAAeAAAAaAAAAAAAAAAAAAAAAAAAAAAAAAAAAAAAECcAABAnAAAAAAAAAAAAAAAAAAAAAAAAAAAAAAAAAAAAAAAAPAAAABQAAAAoAAAAHh4eAAAAAABkAAAAMgAAAAAAAABkAAAAAAAAAH9/fwAKAAAAHwAAAFQAAAC74OMF////AQAAAAAAAAAAAAAAAAAAAAAAAAAAAAAAAAAAAAAAAAAAHh4eAH9/fwCAgIADzMzMAB4eHgB/f38AAAAAAAAAAAAAAAAAAAAAAAAAAAAhAAAAGAAAABQAAADMGQAAZRwAAKceAABAIQAAEAAAACYAAAAIAAAA//////////8="/>
               </a:ext>
             </a:extLst>
           </p:cNvSpPr>
@@ -5997,7 +5997,7 @@
           <p:cNvSpPr>
             <a:extLst>
               <a:ext uri="smNativeData">
-                <pr:smNativeData xmlns:pr="smNativeData" val="SMDATA_13_BbpsXRMAAAAlAAAAZAAAAA8BAAAAkAAAAEgAAACQAAAASAAAAAAAAAAAAAAAAAAAAAEAAABQAAAAAAAAAAAA4D8AAAAAAADgPwAAAAAAAOA/AAAAAAAA4D8AAAAAAADgPwAAAAAAAOA/AAAAAAAA4D8AAAAAAADgPwAAAAAAAOA/AAAAAAAA4D8CAAAAjAAAAAAAAAAAAAAAu+DjDP///wgAAAAAAAAAAAAAAAAAAAAAAAAAAAAAAAAAAAAAZAAAAAEAAABAAAAAAAAAAAAAAAAAAAAAAAAAAAAAAAAAAAAAAAAAAAAAAAAAAAAAAAAAAAAAAAAAAAAAAAAAAAAAAAAAAAAAAAAAAAAAAAAAAAAAAAAAAAAAAAAAAAAAFAAAADwAAAABAAAAAAAAAB4eHgB4AAAAAQAAAAYAAAAAAAAAAAAAAAAAAAAAAAAAZAAAAGQAAAAAAAAAZAAAAGQAAAAVAAAAYAAAAAAAAAAAAAAADwAAACADAAAAAAAAAAAAAAEAAACgMgAAAAAAAAAAAAABAAAAf39/AAEAAABkAAAAAAAAABQAAABAHwAAAAAAACYAAAAAAAAAwOD//wAAAAAmAAAAZAAAABYAAABMAAAAAAAAAAAAAAAEAAAAAAAAAAEAAACAgIAKAAAAACgAAAAoAAAAZAAAAGQAAAAAAAAAzMzMAAAAAABQAAAAUAAAAGQAAABkAAAAAAAAABcAAAAUAAAAAAAAAAAAAAD/fwAA/38AAAAAAAAJAAAABAAAAAAAAAAMAAAAEAAAAAAAAAAAAAAAAAAAAAAAAAAeAAAAaAAAAAAAAAAAAAAAAAAAAAAAAAAAAAAAECcAABAnAAAAAAAAAAAAAAAAAAAAAAAAAAAAAAAAAAAAAAAAPAAAABQAAAAoAAAAHh4eAAAAAABkAAAAMgAAAAAAAABkAAAAAAAAAH9/fwAKAAAAHwAAAFQAAAC74OMF////AQAAAAAAAAAAAAAAAAAAAAAAAAAAAAAAAAAAAAAAAAAAHh4eAH9/fwCAgIADzMzMAB4eHgB/f38AAAAAAAAAAAAAAAAAAAAAAAAAAAAhAAAAGAAAABQAAAA3DAAAGCQAABIRAADzKAAAEAAAACYAAAAIAAAA//////////8="/>
+                <pr:smNativeData xmlns:pr="smNativeData" val="SMDATA_13_IrKAXRMAAAAlAAAAZAAAAA8BAAAAkAAAAEgAAACQAAAASAAAAAAAAAAAAAAAAAAAAAEAAABQAAAAAAAAAAAA4D8AAAAAAADgPwAAAAAAAOA/AAAAAAAA4D8AAAAAAADgPwAAAAAAAOA/AAAAAAAA4D8AAAAAAADgPwAAAAAAAOA/AAAAAAAA4D8CAAAAjAAAAAAAAAAAAAAAu+DjDP///wgAAAAAAAAAAAAAAAAAAAAAAAAAAAAAAAAAAAAAZAAAAAEAAABAAAAAAAAAAAAAAAAAAAAAAAAAAAAAAAAAAAAAAAAAAAAAAAAAAAAAAAAAAAAAAAAAAAAAAAAAAAAAAAAAAAAAAAAAAAAAAAAAAAAAAAAAAAAAAAAAAAAAFAAAADwAAAABAAAAAAAAAB4eHgB4AAAAAQAAAAYAAAAAAAAAAAAAAAAAAAAAAAAAZAAAAGQAAAAAAAAAZAAAAGQAAAAVAAAAYAAAAAAAAAAAAAAADwAAACADAAAAAAAAAAAAAAEAAACgMgAAAAAAAAAAAAABAAAAf39/AAEAAABkAAAAAAAAABQAAABAHwAAAAAAACYAAAAAAAAAwOD//wAAAAAmAAAAZAAAABYAAABMAAAAAAAAAAAAAAAEAAAAAAAAAAEAAACAgIAKAAAAACgAAAAoAAAAZAAAAGQAAAAAAAAAzMzMAAAAAABQAAAAUAAAAGQAAABkAAAAAAAAABcAAAAUAAAAAAAAAAAAAAD/fwAA/38AAAAAAAAJAAAABAAAAAAAAAAMAAAAEAAAAAAAAAAAAAAAAAAAAAAAAAAeAAAAaAAAAAAAAAAAAAAAAAAAAAAAAAAAAAAAECcAABAnAAAAAAAAAAAAAAAAAAAAAAAAAAAAAAAAAAAAAAAAPAAAABQAAAAoAAAAHh4eAAAAAABkAAAAMgAAAAAAAABkAAAAAAAAAH9/fwAKAAAAHwAAAFQAAAC74OMF////AQAAAAAAAAAAAAAAAAAAAAAAAAAAAAAAAAAAAAAAAAAAHh4eAH9/fwCAgIADzMzMAB4eHgB/f38AAAAAAAAAAAAAAAAAAAAAAAAAAAAhAAAAGAAAABQAAAA3DAAAGCQAABIRAADzKAAAEAAAACYAAAAIAAAA//////////8="/>
               </a:ext>
             </a:extLst>
           </p:cNvSpPr>
@@ -6036,7 +6036,7 @@
           <p:cNvSpPr>
             <a:extLst>
               <a:ext uri="smNativeData">
-                <pr:smNativeData xmlns:pr="smNativeData" val="SMDATA_13_BbpsXRMAAAAlAAAAZAAAAA8BAAAAkAAAAEgAAACQAAAASAAAAAAAAAAAAAAAAAAAAAEAAABQAAAAAAAAAAAA4D8AAAAAAADgPwAAAAAAAOA/AAAAAAAA4D8AAAAAAADgPwAAAAAAAOA/AAAAAAAA4D8AAAAAAADgPwAAAAAAAOA/AAAAAAAA4D8CAAAAjAAAAAAAAAAAAAAAu+DjDP///wgAAAAAAAAAAAAAAAAAAAAAAAAAAAAAAAAAAAAAZAAAAAEAAABAAAAAAAAAAAAAAAAAAAAAAAAAAAAAAAAAAAAAAAAAAAAAAAAAAAAAAAAAAAAAAAAAAAAAAAAAAAAAAAAAAAAAAAAAAAAAAAAAAAAAAAAAAAAAAAAAAAAAFAAAADwAAAABAAAAAAAAAB4eHgB4AAAAAQAAAAYAAAAAAAAAAAAAAAAAAAAAAAAAZAAAAGQAAAAAAAAAZAAAAGQAAAAVAAAAYAAAAAAAAAAAAAAADwAAACADAAAAAAAAAAAAAAEAAACgMgAAAAAAAAAAAAABAAAAf39/AAEAAABkAAAAAAAAABQAAABAHwAAAAAAACYAAAAAAAAAwOD//wAAAAAmAAAAZAAAABYAAABMAAAAAAAAAAAAAAAEAAAAAAAAAAEAAACAgIAKAAAAACgAAAAoAAAAZAAAAGQAAAAAAAAAzMzMAAAAAABQAAAAUAAAAGQAAABkAAAAAAAAABcAAAAUAAAAAAAAAAAAAAD/fwAA/38AAAAAAAAJAAAABAAAAAAAAAAMAAAAEAAAAAAAAAAAAAAAAAAAAAAAAAAeAAAAaAAAAAAAAAAAAAAAAAAAAAAAAAAAAAAAECcAABAnAAAAAAAAAAAAAAAAAAAAAAAAAAAAAAAAAAAAAAAAPAAAABQAAAAoAAAAHh4eAAAAAABkAAAAMgAAAAAAAABkAAAAAAAAAH9/fwAKAAAAHwAAAFQAAAC74OMF////AQAAAAAAAAAAAAAAAAAAAAAAAAAAAAAAAAAAAAAAAAAAHh4eAH9/fwCAgIADzMzMAB4eHgB/f38AAAAAAAAAAAAAAAAAAAAAAAAAAAAhAAAAGAAAABQAAABYDAAAZRwAADMRAABAIQAAEAAAACYAAAAIAAAA//////////8="/>
+                <pr:smNativeData xmlns:pr="smNativeData" val="SMDATA_13_IrKAXRMAAAAlAAAAZAAAAA8BAAAAkAAAAEgAAACQAAAASAAAAAAAAAAAAAAAAAAAAAEAAABQAAAAAAAAAAAA4D8AAAAAAADgPwAAAAAAAOA/AAAAAAAA4D8AAAAAAADgPwAAAAAAAOA/AAAAAAAA4D8AAAAAAADgPwAAAAAAAOA/AAAAAAAA4D8CAAAAjAAAAAAAAAAAAAAAu+DjDP///wgAAAAAAAAAAAAAAAAAAAAAAAAAAAAAAAAAAAAAZAAAAAEAAABAAAAAAAAAAAAAAAAAAAAAAAAAAAAAAAAAAAAAAAAAAAAAAAAAAAAAAAAAAAAAAAAAAAAAAAAAAAAAAAAAAAAAAAAAAAAAAAAAAAAAAAAAAAAAAAAAAAAAFAAAADwAAAABAAAAAAAAAB4eHgB4AAAAAQAAAAYAAAAAAAAAAAAAAAAAAAAAAAAAZAAAAGQAAAAAAAAAZAAAAGQAAAAVAAAAYAAAAAAAAAAAAAAADwAAACADAAAAAAAAAAAAAAEAAACgMgAAAAAAAAAAAAABAAAAf39/AAEAAABkAAAAAAAAABQAAABAHwAAAAAAACYAAAAAAAAAwOD//wAAAAAmAAAAZAAAABYAAABMAAAAAAAAAAAAAAAEAAAAAAAAAAEAAACAgIAKAAAAACgAAAAoAAAAZAAAAGQAAAAAAAAAzMzMAAAAAABQAAAAUAAAAGQAAABkAAAAAAAAABcAAAAUAAAAAAAAAAAAAAD/fwAA/38AAAAAAAAJAAAABAAAAAAAAAAMAAAAEAAAAAAAAAAAAAAAAAAAAAAAAAAeAAAAaAAAAAAAAAAAAAAAAAAAAAAAAAAAAAAAECcAABAnAAAAAAAAAAAAAAAAAAAAAAAAAAAAAAAAAAAAAAAAPAAAABQAAAAoAAAAHh4eAAAAAABkAAAAMgAAAAAAAABkAAAAAAAAAH9/fwAKAAAAHwAAAFQAAAC74OMF////AQAAAAAAAAAAAAAAAAAAAAAAAAAAAAAAAAAAAAAAAAAAHh4eAH9/fwCAgIADzMzMAB4eHgB/f38AAAAAAAAAAAAAAAAAAAAAAAAAAAAhAAAAGAAAABQAAABYDAAAZRwAADMRAABAIQAAEAAAACYAAAAIAAAA//////////8="/>
               </a:ext>
             </a:extLst>
           </p:cNvSpPr>
@@ -6075,7 +6075,7 @@
           <p:cNvSpPr>
             <a:extLst>
               <a:ext uri="smNativeData">
-                <pr:smNativeData xmlns:pr="smNativeData" val="SMDATA_13_BbpsXRMAAAAlAAAAZAAAAA8BAAAAkAAAAEgAAACQAAAASAAAAAAAAAAAAAAAAAAAAAEAAABQAAAAAAAAAAAA4D8AAAAAAADgPwAAAAAAAOA/AAAAAAAA4D8AAAAAAADgPwAAAAAAAOA/AAAAAAAA4D8AAAAAAADgPwAAAAAAAOA/AAAAAAAA4D8CAAAAjAAAAAAAAAAAAAAAu+DjDP///wgAAAAAAAAAAAAAAAAAAAAAAAAAAAAAAAAAAAAAZAAAAAEAAABAAAAAAAAAAAAAAAAAAAAAAAAAAAAAAAAAAAAAAAAAAAAAAAAAAAAAAAAAAAAAAAAAAAAAAAAAAAAAAAAAAAAAAAAAAAAAAAAAAAAAAAAAAAAAAAAAAAAAFAAAADwAAAABAAAAAAAAAB4eHgB4AAAAAQAAAAYAAAAAAAAAAAAAAAAAAAAAAAAAZAAAAGQAAAAAAAAAZAAAAGQAAAAVAAAAYAAAAAAAAAAAAAAADwAAACADAAAAAAAAAAAAAAEAAACgMgAAAAAAAAAAAAABAAAAf39/AAEAAABkAAAAAAAAABQAAABAHwAAAAAAACYAAAAAAAAAwOD//wAAAAAmAAAAZAAAABYAAABMAAAAAAAAAAAAAAAEAAAAAAAAAAEAAACAgIAKAAAAACgAAAAoAAAAZAAAAGQAAAAAAAAAzMzMAAAAAABQAAAAUAAAAGQAAABkAAAAAAAAABcAAAAUAAAAAAAAAAAAAAD/fwAA/38AAAAAAAAJAAAABAAAAAIAAAAMAAAAEAAAAAAAAAAAAAAAAAAAAAAAAAAeAAAAaAAAAAAAAAAAAAAAAAAAAAAAAAAAAAAAECcAABAnAAAAAAAAAAAAAAAAAAAAAAAAAAAAAAAAAAAAAAAAPAAAABQAAAAoAAAAHh4eAAAAAABkAAAAMgAAAAAAAABkAAAAAAAAAH9/fwAKAAAAHwAAAFQAAAC74OMF////AQAAAAAAAAAAAAAAAAAAAAAAAAAAAAAAAAAAAAAAAAAAHh4eAH9/fwCAgIADzMzMAB4eHgB/f38AAAAAAAAAAAAAAAAAAAAAAAAAAAAhAAAAGAAAABQAAABcDAAApRQAADcRAACAGQAAEAAAACYAAAAIAAAA//////////8="/>
+                <pr:smNativeData xmlns:pr="smNativeData" val="SMDATA_13_IrKAXRMAAAAlAAAAZAAAAA8BAAAAkAAAAEgAAACQAAAASAAAAAAAAAAAAAAAAAAAAAEAAABQAAAAAAAAAAAA4D8AAAAAAADgPwAAAAAAAOA/AAAAAAAA4D8AAAAAAADgPwAAAAAAAOA/AAAAAAAA4D8AAAAAAADgPwAAAAAAAOA/AAAAAAAA4D8CAAAAjAAAAAAAAAAAAAAAu+DjDP///wgAAAAAAAAAAAAAAAAAAAAAAAAAAAAAAAAAAAAAZAAAAAEAAABAAAAAAAAAAAAAAAAAAAAAAAAAAAAAAAAAAAAAAAAAAAAAAAAAAAAAAAAAAAAAAAAAAAAAAAAAAAAAAAAAAAAAAAAAAAAAAAAAAAAAAAAAAAAAAAAAAAAAFAAAADwAAAABAAAAAAAAAB4eHgB4AAAAAQAAAAYAAAAAAAAAAAAAAAAAAAAAAAAAZAAAAGQAAAAAAAAAZAAAAGQAAAAVAAAAYAAAAAAAAAAAAAAADwAAACADAAAAAAAAAAAAAAEAAACgMgAAAAAAAAAAAAABAAAAf39/AAEAAABkAAAAAAAAABQAAABAHwAAAAAAACYAAAAAAAAAwOD//wAAAAAmAAAAZAAAABYAAABMAAAAAAAAAAAAAAAEAAAAAAAAAAEAAACAgIAKAAAAACgAAAAoAAAAZAAAAGQAAAAAAAAAzMzMAAAAAABQAAAAUAAAAGQAAABkAAAAAAAAABcAAAAUAAAAAAAAAAAAAAD/fwAA/38AAAAAAAAJAAAABAAAAAIAAAAMAAAAEAAAAAAAAAAAAAAAAAAAAAAAAAAeAAAAaAAAAAAAAAAAAAAAAAAAAAAAAAAAAAAAECcAABAnAAAAAAAAAAAAAAAAAAAAAAAAAAAAAAAAAAAAAAAAPAAAABQAAAAoAAAAHh4eAAAAAABkAAAAMgAAAAAAAABkAAAAAAAAAH9/fwAKAAAAHwAAAFQAAAC74OMF////AQAAAAAAAAAAAAAAAAAAAAAAAAAAAAAAAAAAAAAAAAAAHh4eAH9/fwCAgIADzMzMAB4eHgB/f38AAAAAAAAAAAAAAAAAAAAAAAAAAAAhAAAAGAAAABQAAABcDAAApRQAADcRAACAGQAAEAAAACYAAAAIAAAA//////////8="/>
               </a:ext>
             </a:extLst>
           </p:cNvSpPr>
@@ -6114,7 +6114,7 @@
           <p:cNvSpPr>
             <a:extLst>
               <a:ext uri="smNativeData">
-                <pr:smNativeData xmlns:pr="smNativeData" val="SMDATA_13_BbpsXRMAAAAlAAAAZAAAAA8BAAAAkAAAAEgAAACQAAAASAAAAAAAAAAAAAAAAAAAAAEAAABQAAAAAAAAAAAA4D8AAAAAAADgPwAAAAAAAOA/AAAAAAAA4D8AAAAAAADgPwAAAAAAAOA/AAAAAAAA4D8AAAAAAADgPwAAAAAAAOA/AAAAAAAA4D8CAAAAjAAAAAAAAAAAAAAAu+DjDP///wgAAAAAAAAAAAAAAAAAAAAAAAAAAAAAAAAAAAAAZAAAAAEAAABAAAAAAAAAAAAAAAAAAAAAAAAAAAAAAAAAAAAAAAAAAAAAAAAAAAAAAAAAAAAAAAAAAAAAAAAAAAAAAAAAAAAAAAAAAAAAAAAAAAAAAAAAAAAAAAAAAAAAFAAAADwAAAABAAAAAAAAAO9gCgA8AAAAAQAAAAMAAAAAAAAAAAAAAAAAAAAAAAAAZAAAAGQAAAAAAAAAZAAAAGQAAAAVAAAAYAAAAAAAAAAAAAAADwAAACADAAAAAAAAAAAAAAEAAACgMgAAAAAAAAAAAAABAAAAf39/AAEAAABkAAAAAAAAABQAAABAHwAAAAAAACYAAAAAAAAAwOD//wAAAAAmAAAAZAAAABYAAABMAAAAAAAAAAAAAAAEAAAAAAAAAAEAAACAgIAKAAAAACgAAAAoAAAAZAAAAGQAAAAAAAAAzMzMAAAAAABQAAAAUAAAAGQAAABkAAAAAAAAABcAAAAUAAAAAAAAAAAAAAD/fwAA/38AAAAAAAAJAAAABAAAAAIAAAAMAAAAEAAAAAAAAAAAAAAAAAAAAAAAAAAeAAAAaAAAAAAAAAAAAAAAAAAAAAAAAAAAAAAAECcAABAnAAAAAAAAAAAAAAAAAAAAAAAAAAAAAAAAAAAAAAAAPAAAABQAAAAoAAAAHH0cAAAAAABkAAAAMgAAAAAAAABkAAAAAAAAAH9/fwAKAAAAHwAAAFQAAAC74OMF////AQAAAAAAAAAAAAAAAAAAAAAAAAAAAAAAAAAAAAAAAAAA72AKAH9/fwCAgIADzMzMABx9HAB/f38AAAAAAAAAAAAAAAAAAAAAAAAAAAAhAAAAGAAAABQAAAAnCgAAUhMAAGwTAABUIgAAEAAAACYAAAAIAAAA//////////8="/>
+                <pr:smNativeData xmlns:pr="smNativeData" val="SMDATA_13_IrKAXRMAAAAlAAAAZAAAAA8BAAAAkAAAAEgAAACQAAAASAAAAAAAAAAAAAAAAAAAAAEAAABQAAAAAAAAAAAA4D8AAAAAAADgPwAAAAAAAOA/AAAAAAAA4D8AAAAAAADgPwAAAAAAAOA/AAAAAAAA4D8AAAAAAADgPwAAAAAAAOA/AAAAAAAA4D8CAAAAjAAAAAAAAAAAAAAAu+DjDP///wgAAAAAAAAAAAAAAAAAAAAAAAAAAAAAAAAAAAAAZAAAAAEAAABAAAAAAAAAAAAAAAAAAAAAAAAAAAAAAAAAAAAAAAAAAAAAAAAAAAAAAAAAAAAAAAAAAAAAAAAAAAAAAAAAAAAAAAAAAAAAAAAAAAAAAAAAAAAAAAAAAAAAFAAAADwAAAABAAAAAAAAAO9gCgA8AAAAAQAAAAMAAAAAAAAAAAAAAAAAAAAAAAAAZAAAAGQAAAAAAAAAZAAAAGQAAAAVAAAAYAAAAAAAAAAAAAAADwAAACADAAAAAAAAAAAAAAEAAACgMgAAAAAAAAAAAAABAAAAf39/AAEAAABkAAAAAAAAABQAAABAHwAAAAAAACYAAAAAAAAAwOD//wAAAAAmAAAAZAAAABYAAABMAAAAAAAAAAAAAAAEAAAAAAAAAAEAAACAgIAKAAAAACgAAAAoAAAAZAAAAGQAAAAAAAAAzMzMAAAAAABQAAAAUAAAAGQAAABkAAAAAAAAABcAAAAUAAAAAAAAAAAAAAD/fwAA/38AAAAAAAAJAAAABAAAAAIAAAAMAAAAEAAAAAAAAAAAAAAAAAAAAAAAAAAeAAAAaAAAAAAAAAAAAAAAAAAAAAAAAAAAAAAAECcAABAnAAAAAAAAAAAAAAAAAAAAAAAAAAAAAAAAAAAAAAAAPAAAABQAAAAoAAAAHH0cAAAAAABkAAAAMgAAAAAAAABkAAAAAAAAAH9/fwAKAAAAHwAAAFQAAAC74OMF////AQAAAAAAAAAAAAAAAAAAAAAAAAAAAAAAAAAAAAAAAAAA72AKAH9/fwCAgIADzMzMABx9HAB/f38AAAAAAAAAAAAAAAAAAAAAAAAAAAAhAAAAGAAAABQAAAAnCgAAUhMAAGwTAABUIgAAEAAAACYAAAAIAAAA//////////8="/>
               </a:ext>
             </a:extLst>
           </p:cNvSpPr>
@@ -6153,7 +6153,7 @@
           <p:cNvSpPr txBox="1">
             <a:extLst>
               <a:ext uri="smNativeData">
-                <pr:smNativeData xmlns:pr="smNativeData" val="SMDATA_13_BbpsXRMAAAAlAAAAEgAAAE8BAAAAkAAAAEgAAACQAAAASAAAAAAAAAAAAAAAAAAAAAEAAABQAAAAAAAAAAAA4D8AAAAAAADgPwAAAAAAAOA/AAAAAAAA4D8AAAAAAADgPwAAAAAAAOA/AAAAAAAA4D8AAAAAAADgPwAAAAAAAOA/AAAAAAAA4D8CAAAAjAAAAAAAAAAAAAAAu+DjDP///wgAAAAAAAAAAAAAAAAAAAAAAAAAAAAAAAAAAAAAZAAAAAEAAABAAAAAAAAAAAAAAAAAAAAAAAAAAAAAAAAAAAAAAAAAAAAAAAAAAAAAAAAAAAAAAAAAAAAAAAAAAAAAAAAAAAAAAAAAAAAAAAAAAAAAAAAAAAAAAAAAAAAAFAAAADwAAAAAAAAAAAAAAAAAAAkUAAAAAQAAABQAAAAUAAAAFAAAAAEAAAAAAAAAZAAAAGQAAAAAAAAAZAAAAGQAAAAVAAAAYAAAAAAAAAAAAAAADwAAACADAAAAAAAAAAAAAAEAAACgMgAAVgcAAKr4//8BAAAAf39/AAEAAABkAAAAAAAAABQAAABAHwAAAAAAACYAAAAAAAAAwOD//wAAAAAmAAAAZAAAABYAAABMAAAAAAAAAAAAAAAEAAAAAAAAAAEAAACAgIAKAAAAACgAAAAoAAAAZAAAAGQAAAAAAAAAzMzMAAAAAABQAAAAUAAAAGQAAABkAAAAAAAAABcAAAAUAAAAAAAAANwIAAD/fwAA/38AAAAAAAAJAAAABAAAAAIAAAAMAAAAEAAAAAAAAAAAAAAAAAAAAAAAAAAeAAAAaAAAAAAAAAAAAAAAAAAAAAAAAAAAAAAAECcAABAnAAAAAAAAAAAAAAAAAAAAAAAAAAAAAAAAAAAAAAAAAAAAABQAAAAAAAAAwMD/AAAAAABkAAAAMgAAAAAAAABkAAAAAAAAAH9/fwAKAAAAHwAAAFQAAAC74OMF////AQAAAAAAAAAAAAAAAAAAAAAAAAAAAAAAAAAAAAAAAAAAAAAAAn9/fwCAgIADzMzMAMDA/wB/f38AAAAAAAAAAAAAAAAAAAAAAAAAAAAhAAAAGAAAABQAAAADGgAA5woAAHUeAAB3DgAAECAAACYAAAAIAAAA//////////8="/>
+                <pr:smNativeData xmlns:pr="smNativeData" val="SMDATA_13_IrKAXRMAAAAlAAAAEgAAAE8BAAAAkAAAAEgAAACQAAAASAAAAAAAAAAAAAAAAAAAAAEAAABQAAAAAAAAAAAA4D8AAAAAAADgPwAAAAAAAOA/AAAAAAAA4D8AAAAAAADgPwAAAAAAAOA/AAAAAAAA4D8AAAAAAADgPwAAAAAAAOA/AAAAAAAA4D8CAAAAjAAAAAAAAAAAAAAAu+DjDP///wgAAAAAAAAAAAAAAAAAAAAAAAAAAAAAAAAAAAAAZAAAAAEAAABAAAAAAAAAAAAAAAAAAAAAAAAAAAAAAAAAAAAAAAAAAAAAAAAAAAAAAAAAAAAAAAAAAAAAAAAAAAAAAAAAAAAAAAAAAAAAAAAAAAAAAAAAAAAAAAAAAAAAFAAAADwAAAAAAAAAAAAAAAAAAAkUAAAAAQAAABQAAAAUAAAAFAAAAAEAAAAAAAAAZAAAAGQAAAAAAAAAZAAAAGQAAAAVAAAAYAAAAAAAAAAAAAAADwAAACADAAAAAAAAAAAAAAEAAACgMgAAVgcAAKr4//8BAAAAf39/AAEAAABkAAAAAAAAABQAAABAHwAAAAAAACYAAAAAAAAAwOD//wAAAAAmAAAAZAAAABYAAABMAAAAAAAAAAAAAAAEAAAAAAAAAAEAAACAgIAKAAAAACgAAAAoAAAAZAAAAGQAAAAAAAAAzMzMAAAAAABQAAAAUAAAAGQAAABkAAAAAAAAABcAAAAUAAAAAAAAANwIAAD/fwAA/38AAAAAAAAJAAAABAAAAAIAAAAMAAAAEAAAAAAAAAAAAAAAAAAAAAAAAAAeAAAAaAAAAAAAAAAAAAAAAAAAAAAAAAAAAAAAECcAABAnAAAAAAAAAAAAAAAAAAAAAAAAAAAAAAAAAAAAAAAAAAAAABQAAAAAAAAAwMD/AAAAAABkAAAAMgAAAAAAAABkAAAAAAAAAH9/fwAKAAAAHwAAAFQAAAC74OMF////AQAAAAAAAAAAAAAAAAAAAAAAAAAAAAAAAAAAAAAAAAAAAAAAAn9/fwCAgIADzMzMAMDA/wB/f38AAAAAAAAAAAAAAAAAAAAAAAAAAAAhAAAAGAAAABQAAAADGgAA5woAAHUeAAB3DgAAECAAACYAAAAIAAAA//////////8="/>
               </a:ext>
             </a:extLst>
           </p:cNvSpPr>
@@ -6216,7 +6216,7 @@
           <p:cNvSpPr txBox="1">
             <a:extLst>
               <a:ext uri="smNativeData">
-                <pr:smNativeData xmlns:pr="smNativeData" val="SMDATA_13_BbpsXRMAAAAlAAAAEgAAAE8BAAAAkAAAAEgAAACQAAAASAAAAAAAAAAAAAAAAAAAAAEAAABQAAAAAAAAAAAA4D8AAAAAAADgPwAAAAAAAOA/AAAAAAAA4D8AAAAAAADgPwAAAAAAAOA/AAAAAAAA4D8AAAAAAADgPwAAAAAAAOA/AAAAAAAA4D8CAAAAjAAAAAAAAAAAAAAAu+DjDP///wgAAAAAAAAAAAAAAAAAAAAAAAAAAAAAAAAAAAAAZAAAAAEAAABAAAAAAAAAAAAAAAAAAAAAAAAAAAAAAAAAAAAAAAAAAAAAAAAAAAAAAAAAAAAAAAAAAAAAAAAAAAAAAAAAAAAAAAAAAAAAAAAAAAAAAAAAAAAAAAAAAAAAFAAAADwAAAAAAAAAAAAAAAAAAAkUAAAAAQAAABQAAAAUAAAAFAAAAAEAAAAAAAAAZAAAAGQAAAAAAAAAZAAAAGQAAAAVAAAAYAAAAAAAAAAAAAAADwAAACADAAAAAAAAAAAAAAEAAACgMgAAVgcAAKr4//8BAAAAf39/AAEAAABkAAAAAAAAABQAAABAHwAAAAAAACYAAAAAAAAAwOD//wAAAAAmAAAAZAAAABYAAABMAAAAAAAAAAAAAAAEAAAAAAAAAAEAAACAgIAKAAAAACgAAAAoAAAAZAAAAGQAAAAAAAAAzMzMAAAAAABQAAAAUAAAAGQAAABkAAAAAAAAABcAAAAUAAAAAAAAANwIAAD/fwAA/38AAAAAAAAJAAAABAAAAAIAAAAMAAAAEAAAAAAAAAAAAAAAAAAAAAAAAAAeAAAAaAAAAAAAAAAAAAAAAAAAAAAAAAAAAAAAECcAABAnAAAAAAAAAAAAAAAAAAAAAAAAAAAAAAAAAAAAAAAAAAAAABQAAAAAAAAAwMD/AAAAAABkAAAAMgAAAAAAAABkAAAAAAAAAH9/fwAKAAAAHwAAAFQAAAC74OMF////AQAAAAAAAAAAAAAAAAAAAAAAAAAAAAAAAAAAAAAAAAAAAAAAAn9/fwCAgIADzMzMAMDA/wB/f38AAAAAAAAAAAAAAAAAAAAAAAAAAAAhAAAAGAAAABQAAAB6CwAADhUAABkSAADeFwAAECAAACYAAAAIAAAA//////////8="/>
+                <pr:smNativeData xmlns:pr="smNativeData" val="SMDATA_13_IrKAXRMAAAAlAAAAEgAAAE8BAAAAkAAAAEgAAACQAAAASAAAAAAAAAAAAAAAAAAAAAEAAABQAAAAAAAAAAAA4D8AAAAAAADgPwAAAAAAAOA/AAAAAAAA4D8AAAAAAADgPwAAAAAAAOA/AAAAAAAA4D8AAAAAAADgPwAAAAAAAOA/AAAAAAAA4D8CAAAAjAAAAAAAAAAAAAAAu+DjDP///wgAAAAAAAAAAAAAAAAAAAAAAAAAAAAAAAAAAAAAZAAAAAEAAABAAAAAAAAAAAAAAAAAAAAAAAAAAAAAAAAAAAAAAAAAAAAAAAAAAAAAAAAAAAAAAAAAAAAAAAAAAAAAAAAAAAAAAAAAAAAAAAAAAAAAAAAAAAAAAAAAAAAAFAAAADwAAAAAAAAAAAAAAAAAAAkUAAAAAQAAABQAAAAUAAAAFAAAAAEAAAAAAAAAZAAAAGQAAAAAAAAAZAAAAGQAAAAVAAAAYAAAAAAAAAAAAAAADwAAACADAAAAAAAAAAAAAAEAAACgMgAAVgcAAKr4//8BAAAAf39/AAEAAABkAAAAAAAAABQAAABAHwAAAAAAACYAAAAAAAAAwOD//wAAAAAmAAAAZAAAABYAAABMAAAAAAAAAAAAAAAEAAAAAAAAAAEAAACAgIAKAAAAACgAAAAoAAAAZAAAAGQAAAAAAAAAzMzMAAAAAABQAAAAUAAAAGQAAABkAAAAAAAAABcAAAAUAAAAAAAAANwIAAD/fwAA/38AAAAAAAAJAAAABAAAAAIAAAAMAAAAEAAAAAAAAAAAAAAAAAAAAAAAAAAeAAAAaAAAAAAAAAAAAAAAAAAAAAAAAAAAAAAAECcAABAnAAAAAAAAAAAAAAAAAAAAAAAAAAAAAAAAAAAAAAAAAAAAABQAAAAAAAAAwMD/AAAAAABkAAAAMgAAAAAAAABkAAAAAAAAAH9/fwAKAAAAHwAAAFQAAAC74OMF////AQAAAAAAAAAAAAAAAAAAAAAAAAAAAAAAAAAAAAAAAAAAAAAAAn9/fwCAgIADzMzMAMDA/wB/f38AAAAAAAAAAAAAAAAAAAAAAAAAAAAhAAAAGAAAABQAAAB6CwAADhUAABkSAADeFwAAECAAACYAAAAIAAAA//////////8="/>
               </a:ext>
             </a:extLst>
           </p:cNvSpPr>
@@ -6277,7 +6277,7 @@
           <p:cNvSpPr txBox="1">
             <a:extLst>
               <a:ext uri="smNativeData">
-                <pr:smNativeData xmlns:pr="smNativeData" val="SMDATA_13_BbpsXRMAAAAlAAAAEgAAAE8BAAAAkAAAAEgAAACQAAAASAAAAAAAAAAAAAAAAAAAAAEAAABQAAAAAAAAAAAA4D8AAAAAAADgPwAAAAAAAOA/AAAAAAAA4D8AAAAAAADgPwAAAAAAAOA/AAAAAAAA4D8AAAAAAADgPwAAAAAAAOA/AAAAAAAA4D8CAAAAjAAAAAAAAAAAAAAAu+DjDP///wgAAAAAAAAAAAAAAAAAAAAAAAAAAAAAAAAAAAAAZAAAAAEAAABAAAAAAAAAAAAAAAAAAAAAAAAAAAAAAAAAAAAAAAAAAAAAAAAAAAAAAAAAAAAAAAAAAAAAAAAAAAAAAAAAAAAAAAAAAAAAAAAAAAAAAAAAAAAAAAAAAAAAFAAAADwAAAAAAAAAAAAAAAAAAAkUAAAAAQAAABQAAAAUAAAAFAAAAAEAAAAAAAAAZAAAAGQAAAAAAAAAZAAAAGQAAAAVAAAAYAAAAAAAAAAAAAAADwAAACADAAAAAAAAAAAAAAEAAACgMgAAVgcAAKr4//8BAAAAf39/AAEAAABkAAAAAAAAABQAAABAHwAAAAAAACYAAAAAAAAAwOD//wAAAAAmAAAAZAAAABYAAABMAAAAAAAAAAAAAAAEAAAAAAAAAAEAAACAgIAKAAAAACgAAAAoAAAAZAAAAGQAAAAAAAAAzMzMAAAAAABQAAAAUAAAAGQAAABkAAAAAAAAABcAAAAUAAAAAAAAANwIAAD/fwAA/38AAAAAAAAJAAAABAAAAAIAAAAMAAAAEAAAAAAAAAAAAAAAAAAAAAAAAAAeAAAAaAAAAAAAAAAAAAAAAAAAAAAAAAAAAAAAECcAABAnAAAAAAAAAAAAAAAAAAAAAAAAAAAAAAAAAAAAAAAAAAAAABQAAAAAAAAAwMD/AAAAAABkAAAAMgAAAAAAAABkAAAAAAAAAH9/fwAKAAAAHwAAAFQAAAC74OMF////AQAAAAAAAAAAAAAAAAAAAAAAAAAAAAAAAAAAAAAAAAAAAAAAAn9/fwCAgIADzMzMAMDA/wB/f38AAAAAAAAAAAAAAAAAAAAAAAAAAAAhAAAAGAAAABQAAACfCwAACB0AAD4SAADYHwAAECAAACYAAAAIAAAA//////////8="/>
+                <pr:smNativeData xmlns:pr="smNativeData" val="SMDATA_13_IrKAXRMAAAAlAAAAEgAAAE8BAAAAkAAAAEgAAACQAAAASAAAAAAAAAAAAAAAAAAAAAEAAABQAAAAAAAAAAAA4D8AAAAAAADgPwAAAAAAAOA/AAAAAAAA4D8AAAAAAADgPwAAAAAAAOA/AAAAAAAA4D8AAAAAAADgPwAAAAAAAOA/AAAAAAAA4D8CAAAAjAAAAAAAAAAAAAAAu+DjDP///wgAAAAAAAAAAAAAAAAAAAAAAAAAAAAAAAAAAAAAZAAAAAEAAABAAAAAAAAAAAAAAAAAAAAAAAAAAAAAAAAAAAAAAAAAAAAAAAAAAAAAAAAAAAAAAAAAAAAAAAAAAAAAAAAAAAAAAAAAAAAAAAAAAAAAAAAAAAAAAAAAAAAAFAAAADwAAAAAAAAAAAAAAAAAAAkUAAAAAQAAABQAAAAUAAAAFAAAAAEAAAAAAAAAZAAAAGQAAAAAAAAAZAAAAGQAAAAVAAAAYAAAAAAAAAAAAAAADwAAACADAAAAAAAAAAAAAAEAAACgMgAAVgcAAKr4//8BAAAAf39/AAEAAABkAAAAAAAAABQAAABAHwAAAAAAACYAAAAAAAAAwOD//wAAAAAmAAAAZAAAABYAAABMAAAAAAAAAAAAAAAEAAAAAAAAAAEAAACAgIAKAAAAACgAAAAoAAAAZAAAAGQAAAAAAAAAzMzMAAAAAABQAAAAUAAAAGQAAABkAAAAAAAAABcAAAAUAAAAAAAAANwIAAD/fwAA/38AAAAAAAAJAAAABAAAAAIAAAAMAAAAEAAAAAAAAAAAAAAAAAAAAAAAAAAeAAAAaAAAAAAAAAAAAAAAAAAAAAAAAAAAAAAAECcAABAnAAAAAAAAAAAAAAAAAAAAAAAAAAAAAAAAAAAAAAAAAAAAABQAAAAAAAAAwMD/AAAAAABkAAAAMgAAAAAAAABkAAAAAAAAAH9/fwAKAAAAHwAAAFQAAAC74OMF////AQAAAAAAAAAAAAAAAAAAAAAAAAAAAAAAAAAAAAAAAAAAAAAAAn9/fwCAgIADzMzMAMDA/wB/f38AAAAAAAAAAAAAAAAAAAAAAAAAAAAhAAAAGAAAABQAAACfCwAACB0AAD4SAADYHwAAECAAACYAAAAIAAAA//////////8="/>
               </a:ext>
             </a:extLst>
           </p:cNvSpPr>
@@ -6338,7 +6338,7 @@
           <p:cNvSpPr txBox="1">
             <a:extLst>
               <a:ext uri="smNativeData">
-                <pr:smNativeData xmlns:pr="smNativeData" val="SMDATA_13_BbpsXRMAAAAlAAAAEgAAAE8BAAAAkAAAAEgAAACQAAAASAAAAAAAAAAAAAAAAAAAAAEAAABQAAAAAAAAAAAA4D8AAAAAAADgPwAAAAAAAOA/AAAAAAAA4D8AAAAAAADgPwAAAAAAAOA/AAAAAAAA4D8AAAAAAADgPwAAAAAAAOA/AAAAAAAA4D8CAAAAjAAAAAAAAAAAAAAAu+DjDP///wgAAAAAAAAAAAAAAAAAAAAAAAAAAAAAAAAAAAAAZAAAAAEAAABAAAAAAAAAAAAAAAAAAAAAAAAAAAAAAAAAAAAAAAAAAAAAAAAAAAAAAAAAAAAAAAAAAAAAAAAAAAAAAAAAAAAAAAAAAAAAAAAAAAAAAAAAAAAAAAAAAAAAFAAAADwAAAAAAAAAAAAAAAAAAAkUAAAAAQAAABQAAAAUAAAAFAAAAAEAAAAAAAAAZAAAAGQAAAAAAAAAZAAAAGQAAAAVAAAAYAAAAAAAAAAAAAAADwAAACADAAAAAAAAAAAAAAEAAACgMgAAVgcAAKr4//8BAAAAf39/AAEAAABkAAAAAAAAABQAAABAHwAAAAAAACYAAAAAAAAAwOD//wAAAAAmAAAAZAAAABYAAABMAAAAAAAAAAAAAAAEAAAAAAAAAAEAAACAgIAKAAAAACgAAAAoAAAAZAAAAGQAAAAAAAAAzMzMAAAAAABQAAAAUAAAAGQAAABkAAAAAAAAABcAAAAUAAAAAAAAANwIAAD/fwAA/38AAAAAAAAJAAAABAAAAAAAAAAMAAAAEAAAAAAAAAAAAAAAAAAAAAAAAAAeAAAAaAAAAAAAAAAAAAAAAAAAAAAAAAAAAAAAECcAABAnAAAAAAAAAAAAAAAAAAAAAAAAAAAAAAAAAAAAAAAAAAAAABQAAAAAAAAAwMD/AAAAAABkAAAAMgAAAAAAAABkAAAAAAAAAH9/fwAKAAAAHwAAAFQAAAC74OMF////AQAAAAAAAAAAAAAAAAAAAAAAAAAAAAAAAAAAAAAAAAAAAAAAAn9/fwCAgIADzMzMAMDA/wB/f38AAAAAAAAAAAAAAAAAAAAAAAAAAAAhAAAAGAAAABQAAAB6CwAA+iQAABkSAACqJgAAECAAACYAAAAIAAAA//////////8="/>
+                <pr:smNativeData xmlns:pr="smNativeData" val="SMDATA_13_IrKAXRMAAAAlAAAAEgAAAE8BAAAAkAAAAEgAAACQAAAASAAAAAAAAAAAAAAAAAAAAAEAAABQAAAAAAAAAAAA4D8AAAAAAADgPwAAAAAAAOA/AAAAAAAA4D8AAAAAAADgPwAAAAAAAOA/AAAAAAAA4D8AAAAAAADgPwAAAAAAAOA/AAAAAAAA4D8CAAAAjAAAAAAAAAAAAAAAu+DjDP///wgAAAAAAAAAAAAAAAAAAAAAAAAAAAAAAAAAAAAAZAAAAAEAAABAAAAAAAAAAAAAAAAAAAAAAAAAAAAAAAAAAAAAAAAAAAAAAAAAAAAAAAAAAAAAAAAAAAAAAAAAAAAAAAAAAAAAAAAAAAAAAAAAAAAAAAAAAAAAAAAAAAAAFAAAADwAAAAAAAAAAAAAAAAAAAkUAAAAAQAAABQAAAAUAAAAFAAAAAEAAAAAAAAAZAAAAGQAAAAAAAAAZAAAAGQAAAAVAAAAYAAAAAAAAAAAAAAADwAAACADAAAAAAAAAAAAAAEAAACgMgAAVgcAAKr4//8BAAAAf39/AAEAAABkAAAAAAAAABQAAABAHwAAAAAAACYAAAAAAAAAwOD//wAAAAAmAAAAZAAAABYAAABMAAAAAAAAAAAAAAAEAAAAAAAAAAEAAACAgIAKAAAAACgAAAAoAAAAZAAAAGQAAAAAAAAAzMzMAAAAAABQAAAAUAAAAGQAAABkAAAAAAAAABcAAAAUAAAAAAAAANwIAAD/fwAA/38AAAAAAAAJAAAABAAAAAAAAAAMAAAAEAAAAAAAAAAAAAAAAAAAAAAAAAAeAAAAaAAAAAAAAAAAAAAAAAAAAAAAAAAAAAAAECcAABAnAAAAAAAAAAAAAAAAAAAAAAAAAAAAAAAAAAAAAAAAAAAAABQAAAAAAAAAwMD/AAAAAABkAAAAMgAAAAAAAABkAAAAAAAAAH9/fwAKAAAAHwAAAFQAAAC74OMF////AQAAAAAAAAAAAAAAAAAAAAAAAAAAAAAAAAAAAAAAAAAAAAAAAn9/fwCAgIADzMzMAMDA/wB/f38AAAAAAAAAAAAAAAAAAAAAAAAAAAAhAAAAGAAAABQAAAB6CwAA+iQAABkSAACqJgAAECAAACYAAAAIAAAA//////////8="/>
               </a:ext>
             </a:extLst>
           </p:cNvSpPr>
@@ -6384,7 +6384,7 @@
           <p:cNvSpPr txBox="1">
             <a:extLst>
               <a:ext uri="smNativeData">
-                <pr:smNativeData xmlns:pr="smNativeData" val="SMDATA_13_BbpsXRMAAAAlAAAAEgAAAE8BAAAAkAAAAEgAAACQAAAASAAAAAAAAAAAAAAAAAAAAAEAAABQAAAAAAAAAAAA4D8AAAAAAADgPwAAAAAAAOA/AAAAAAAA4D8AAAAAAADgPwAAAAAAAOA/AAAAAAAA4D8AAAAAAADgPwAAAAAAAOA/AAAAAAAA4D8CAAAAjAAAAAAAAAAAAAAAu+DjDP///wgAAAAAAAAAAAAAAAAAAAAAAAAAAAAAAAAAAAAAZAAAAAEAAABAAAAAAAAAAAAAAAAAAAAAAAAAAAAAAAAAAAAAAAAAAAAAAAAAAAAAAAAAAAAAAAAAAAAAAAAAAAAAAAAAAAAAAAAAAAAAAAAAAAAAAAAAAAAAAAAAAAAAFAAAADwAAAAAAAAAAAAAAAAAAAkUAAAAAQAAABQAAAAUAAAAFAAAAAEAAAAAAAAAZAAAAGQAAAAAAAAAZAAAAGQAAAAVAAAAYAAAAAAAAAAAAAAADwAAACADAAAAAAAAAAAAAAEAAACgMgAAVgcAAKr4//8BAAAAf39/AAEAAABkAAAAAAAAABQAAABAHwAAAAAAACYAAAAAAAAAwOD//wAAAAAmAAAAZAAAABYAAABMAAAAAAAAAAAAAAAEAAAAAAAAAAEAAACAgIAKAAAAACgAAAAoAAAAZAAAAGQAAAAAAAAAzMzMAAAAAABQAAAAUAAAAGQAAABkAAAAAAAAABcAAAAUAAAAAAAAANwIAAD/fwAA/38AAAAAAAAJAAAABAAAAAAAAAAMAAAAEAAAAAAAAAAAAAAAAAAAAAAAAAAeAAAAaAAAAAAAAAAAAAAAAAAAAAAAAAAAAAAAECcAABAnAAAAAAAAAAAAAAAAAAAAAAAAAAAAAAAAAAAAAAAAAAAAABQAAAAAAAAAwMD/AAAAAABkAAAAMgAAAAAAAABkAAAAAAAAAH9/fwAKAAAAHwAAAFQAAAC74OMF////AQAAAAAAAAAAAAAAAAAAAAAAAAAAAAAAAAAAAAAAAAAAAAAAAn9/fwCAgIADzMzMAMDA/wB/f38AAAAAAAAAAAAAAAAAAAAAAAAAAAAhAAAAGAAAABQAAAC4GAAAjhUAAFcfAAA+FwAAECAAACYAAAAIAAAA//////////8="/>
+                <pr:smNativeData xmlns:pr="smNativeData" val="SMDATA_13_IrKAXRMAAAAlAAAAEgAAAE8BAAAAkAAAAEgAAACQAAAASAAAAAAAAAAAAAAAAAAAAAEAAABQAAAAAAAAAAAA4D8AAAAAAADgPwAAAAAAAOA/AAAAAAAA4D8AAAAAAADgPwAAAAAAAOA/AAAAAAAA4D8AAAAAAADgPwAAAAAAAOA/AAAAAAAA4D8CAAAAjAAAAAAAAAAAAAAAu+DjDP///wgAAAAAAAAAAAAAAAAAAAAAAAAAAAAAAAAAAAAAZAAAAAEAAABAAAAAAAAAAAAAAAAAAAAAAAAAAAAAAAAAAAAAAAAAAAAAAAAAAAAAAAAAAAAAAAAAAAAAAAAAAAAAAAAAAAAAAAAAAAAAAAAAAAAAAAAAAAAAAAAAAAAAFAAAADwAAAAAAAAAAAAAAAAAAAkUAAAAAQAAABQAAAAUAAAAFAAAAAEAAAAAAAAAZAAAAGQAAAAAAAAAZAAAAGQAAAAVAAAAYAAAAAAAAAAAAAAADwAAACADAAAAAAAAAAAAAAEAAACgMgAAVgcAAKr4//8BAAAAf39/AAEAAABkAAAAAAAAABQAAABAHwAAAAAAACYAAAAAAAAAwOD//wAAAAAmAAAAZAAAABYAAABMAAAAAAAAAAAAAAAEAAAAAAAAAAEAAACAgIAKAAAAACgAAAAoAAAAZAAAAGQAAAAAAAAAzMzMAAAAAABQAAAAUAAAAGQAAABkAAAAAAAAABcAAAAUAAAAAAAAANwIAAD/fwAA/38AAAAAAAAJAAAABAAAAAAAAAAMAAAAEAAAAAAAAAAAAAAAAAAAAAAAAAAeAAAAaAAAAAAAAAAAAAAAAAAAAAAAAAAAAAAAECcAABAnAAAAAAAAAAAAAAAAAAAAAAAAAAAAAAAAAAAAAAAAAAAAABQAAAAAAAAAwMD/AAAAAABkAAAAMgAAAAAAAABkAAAAAAAAAH9/fwAKAAAAHwAAAFQAAAC74OMF////AQAAAAAAAAAAAAAAAAAAAAAAAAAAAAAAAAAAAAAAAAAAAAAAAn9/fwCAgIADzMzMAMDA/wB/f38AAAAAAAAAAAAAAAAAAAAAAAAAAAAhAAAAGAAAABQAAAC4GAAAjhUAAFcfAAA+FwAAECAAACYAAAAIAAAA//////////8="/>
               </a:ext>
             </a:extLst>
           </p:cNvSpPr>
@@ -6430,7 +6430,7 @@
           <p:cNvSpPr txBox="1">
             <a:extLst>
               <a:ext uri="smNativeData">
-                <pr:smNativeData xmlns:pr="smNativeData" val="SMDATA_13_BbpsXRMAAAAlAAAAEgAAAE8BAAAAkAAAAEgAAACQAAAASAAAAAAAAAAAAAAAAAAAAAEAAABQAAAAAAAAAAAA4D8AAAAAAADgPwAAAAAAAOA/AAAAAAAA4D8AAAAAAADgPwAAAAAAAOA/AAAAAAAA4D8AAAAAAADgPwAAAAAAAOA/AAAAAAAA4D8CAAAAjAAAAAAAAAAAAAAAu+DjDP///wgAAAAAAAAAAAAAAAAAAAAAAAAAAAAAAAAAAAAAZAAAAAEAAABAAAAAAAAAAAAAAAAAAAAAAAAAAAAAAAAAAAAAAAAAAAAAAAAAAAAAAAAAAAAAAAAAAAAAAAAAAAAAAAAAAAAAAAAAAAAAAAAAAAAAAAAAAAAAAAAAAAAAFAAAADwAAAAAAAAAAAAAAAAAAAkUAAAAAQAAABQAAAAUAAAAFAAAAAEAAAAAAAAAZAAAAGQAAAAAAAAAZAAAAGQAAAAVAAAAYAAAAAAAAAAAAAAADwAAACADAAAAAAAAAAAAAAEAAACgMgAAVgcAAKr4//8BAAAAf39/AAEAAABkAAAAAAAAABQAAABAHwAAAAAAACYAAAAAAAAAwOD//wAAAAAmAAAAZAAAABYAAABMAAAAAAAAAAAAAAAEAAAAAAAAAAEAAACAgIAKAAAAACgAAAAoAAAAZAAAAGQAAAAAAAAAzMzMAAAAAABQAAAAUAAAAGQAAABkAAAAAAAAABcAAAAUAAAAAAAAANwIAAD/fwAA/38AAAAAAAAJAAAABAAAAAAAAAAMAAAAEAAAAAAAAAAAAAAAAAAAAAAAAAAeAAAAaAAAAAAAAAAAAAAAAAAAAAAAAAAAAAAAECcAABAnAAAAAAAAAAAAAAAAAAAAAAAAAAAAAAAAAAAAAAAAAAAAABQAAAAAAAAAwMD/AAAAAABkAAAAMgAAAAAAAABkAAAAAAAAAH9/fwAKAAAAHwAAAFQAAAC74OMF////AQAAAAAAAAAAAAAAAAAAAAAAAAAAAAAAAAAAAAAAAAAAAAAAAn9/fwCAgIADzMzMAMDA/wB/f38AAAAAAAAAAAAAAAAAAAAAAAAAAAAhAAAAGAAAABQAAAC4GAAAeR0AAFcfAAApHwAAECAAACYAAAAIAAAA//////////8="/>
+                <pr:smNativeData xmlns:pr="smNativeData" val="SMDATA_13_IrKAXRMAAAAlAAAAEgAAAE8BAAAAkAAAAEgAAACQAAAASAAAAAAAAAAAAAAAAAAAAAEAAABQAAAAAAAAAAAA4D8AAAAAAADgPwAAAAAAAOA/AAAAAAAA4D8AAAAAAADgPwAAAAAAAOA/AAAAAAAA4D8AAAAAAADgPwAAAAAAAOA/AAAAAAAA4D8CAAAAjAAAAAAAAAAAAAAAu+DjDP///wgAAAAAAAAAAAAAAAAAAAAAAAAAAAAAAAAAAAAAZAAAAAEAAABAAAAAAAAAAAAAAAAAAAAAAAAAAAAAAAAAAAAAAAAAAAAAAAAAAAAAAAAAAAAAAAAAAAAAAAAAAAAAAAAAAAAAAAAAAAAAAAAAAAAAAAAAAAAAAAAAAAAAFAAAADwAAAAAAAAAAAAAAAAAAAkUAAAAAQAAABQAAAAUAAAAFAAAAAEAAAAAAAAAZAAAAGQAAAAAAAAAZAAAAGQAAAAVAAAAYAAAAAAAAAAAAAAADwAAACADAAAAAAAAAAAAAAEAAACgMgAAVgcAAKr4//8BAAAAf39/AAEAAABkAAAAAAAAABQAAABAHwAAAAAAACYAAAAAAAAAwOD//wAAAAAmAAAAZAAAABYAAABMAAAAAAAAAAAAAAAEAAAAAAAAAAEAAACAgIAKAAAAACgAAAAoAAAAZAAAAGQAAAAAAAAAzMzMAAAAAABQAAAAUAAAAGQAAABkAAAAAAAAABcAAAAUAAAAAAAAANwIAAD/fwAA/38AAAAAAAAJAAAABAAAAAAAAAAMAAAAEAAAAAAAAAAAAAAAAAAAAAAAAAAeAAAAaAAAAAAAAAAAAAAAAAAAAAAAAAAAAAAAECcAABAnAAAAAAAAAAAAAAAAAAAAAAAAAAAAAAAAAAAAAAAAAAAAABQAAAAAAAAAwMD/AAAAAABkAAAAMgAAAAAAAABkAAAAAAAAAH9/fwAKAAAAHwAAAFQAAAC74OMF////AQAAAAAAAAAAAAAAAAAAAAAAAAAAAAAAAAAAAAAAAAAAAAAAAn9/fwCAgIADzMzMAMDA/wB/f38AAAAAAAAAAAAAAAAAAAAAAAAAAAAhAAAAGAAAABQAAAC4GAAAeR0AAFcfAAApHwAAECAAACYAAAAIAAAA//////////8="/>
               </a:ext>
             </a:extLst>
           </p:cNvSpPr>
@@ -6476,7 +6476,7 @@
           <p:cNvSpPr txBox="1">
             <a:extLst>
               <a:ext uri="smNativeData">
-                <pr:smNativeData xmlns:pr="smNativeData" val="SMDATA_13_BbpsXRMAAAAlAAAAEgAAAE8BAAAAkAAAAEgAAACQAAAASAAAAAAAAAAAAAAAAAAAAAEAAABQAAAAAAAAAAAA4D8AAAAAAADgPwAAAAAAAOA/AAAAAAAA4D8AAAAAAADgPwAAAAAAAOA/AAAAAAAA4D8AAAAAAADgPwAAAAAAAOA/AAAAAAAA4D8CAAAAjAAAAAAAAAAAAAAAu+DjDP///wgAAAAAAAAAAAAAAAAAAAAAAAAAAAAAAAAAAAAAZAAAAAEAAABAAAAAAAAAAAAAAAAAAAAAAAAAAAAAAAAAAAAAAAAAAAAAAAAAAAAAAAAAAAAAAAAAAAAAAAAAAAAAAAAAAAAAAAAAAAAAAAAAAAAAAAAAAAAAAAAAAAAAFAAAADwAAAAAAAAAAAAAAAAAAAkUAAAAAQAAABQAAAAUAAAAFAAAAAEAAAAAAAAAZAAAAGQAAAAAAAAAZAAAAGQAAAAVAAAAYAAAAAAAAAAAAAAADwAAACADAAAAAAAAAAAAAAEAAACgMgAAVgcAAKr4//8BAAAAf39/AAEAAABkAAAAAAAAABQAAABAHwAAAAAAACYAAAAAAAAAwOD//wAAAAAmAAAAZAAAABYAAABMAAAAAAAAAAAAAAAEAAAAAAAAAAEAAACAgIAKAAAAACgAAAAoAAAAZAAAAGQAAAAAAAAAzMzMAAAAAABQAAAAUAAAAGQAAABkAAAAAAAAABcAAAAUAAAAAAAAANwIAAD/fwAA/38AAAAAAAAJAAAABAAAAAAAAAAMAAAAEAAAAAAAAAAAAAAAAAAAAAAAAAAeAAAAaAAAAAAAAAAAAAAAAAAAAAAAAAAAAAAAECcAABAnAAAAAAAAAAAAAAAAAAAAAAAAAAAAAAAAAAAAAAAAAAAAABQAAAAAAAAAwMD/AAAAAABkAAAAMgAAAAAAAABkAAAAAAAAAH9/fwAKAAAAHwAAAFQAAAC74OMF////AQAAAAAAAAAAAAAAAAAAAAAAAAAAAAAAAAAAAAAAAAAAAAAAAn9/fwCAgIADzMzMAMDA/wB/f38AAAAAAAAAAAAAAAAAAAAAAAAAAAAhAAAAGAAAABQAAAD7EgAAyg8AAJoZAADaEQAAECAAACYAAAAIAAAA//////////8="/>
+                <pr:smNativeData xmlns:pr="smNativeData" val="SMDATA_13_IrKAXRMAAAAlAAAAEgAAAE8BAAAAkAAAAEgAAACQAAAASAAAAAAAAAAAAAAAAAAAAAEAAABQAAAAAAAAAAAA4D8AAAAAAADgPwAAAAAAAOA/AAAAAAAA4D8AAAAAAADgPwAAAAAAAOA/AAAAAAAA4D8AAAAAAADgPwAAAAAAAOA/AAAAAAAA4D8CAAAAjAAAAAAAAAAAAAAAu+DjDP///wgAAAAAAAAAAAAAAAAAAAAAAAAAAAAAAAAAAAAAZAAAAAEAAABAAAAAAAAAAAAAAAAAAAAAAAAAAAAAAAAAAAAAAAAAAAAAAAAAAAAAAAAAAAAAAAAAAAAAAAAAAAAAAAAAAAAAAAAAAAAAAAAAAAAAAAAAAAAAAAAAAAAAFAAAADwAAAAAAAAAAAAAAAAAAAkUAAAAAQAAABQAAAAUAAAAFAAAAAEAAAAAAAAAZAAAAGQAAAAAAAAAZAAAAGQAAAAVAAAAYAAAAAAAAAAAAAAADwAAACADAAAAAAAAAAAAAAEAAACgMgAAVgcAAKr4//8BAAAAf39/AAEAAABkAAAAAAAAABQAAABAHwAAAAAAACYAAAAAAAAAwOD//wAAAAAmAAAAZAAAABYAAABMAAAAAAAAAAAAAAAEAAAAAAAAAAEAAACAgIAKAAAAACgAAAAoAAAAZAAAAGQAAAAAAAAAzMzMAAAAAABQAAAAUAAAAGQAAABkAAAAAAAAABcAAAAUAAAAAAAAANwIAAD/fwAA/38AAAAAAAAJAAAABAAAAAAAAAAMAAAAEAAAAAAAAAAAAAAAAAAAAAAAAAAeAAAAaAAAAAAAAAAAAAAAAAAAAAAAAAAAAAAAECcAABAnAAAAAAAAAAAAAAAAAAAAAAAAAAAAAAAAAAAAAAAAAAAAABQAAAAAAAAAwMD/AAAAAABkAAAAMgAAAAAAAABkAAAAAAAAAH9/fwAKAAAAHwAAAFQAAAC74OMF////AQAAAAAAAAAAAAAAAAAAAAAAAAAAAAAAAAAAAAAAAAAAAAAAAn9/fwCAgIADzMzMAMDA/wB/f38AAAAAAAAAAAAAAAAAAAAAAAAAAAAhAAAAGAAAABQAAAD7EgAAyg8AAJoZAADaEQAAECAAACYAAAAIAAAA//////////8="/>
               </a:ext>
             </a:extLst>
           </p:cNvSpPr>
@@ -6522,7 +6522,7 @@
           <p:cNvSpPr txBox="1">
             <a:extLst>
               <a:ext uri="smNativeData">
-                <pr:smNativeData xmlns:pr="smNativeData" val="SMDATA_13_BbpsXRMAAAAlAAAAEgAAAE8BAAAAkAAAAEgAAACQAAAASAAAAAAAAAAAAAAAAAAAAAEAAABQAAAAAAAAAAAA4D8AAAAAAADgPwAAAAAAAOA/AAAAAAAA4D8AAAAAAADgPwAAAAAAAOA/AAAAAAAA4D8AAAAAAADgPwAAAAAAAOA/AAAAAAAA4D8CAAAAjAAAAAAAAAAAAAAAu+DjDP///wgAAAAAAAAAAAAAAAAAAAAAAAAAAAAAAAAAAAAAZAAAAAEAAABAAAAAAAAAAAAAAAAAAAAAAAAAAAAAAAAAAAAAAAAAAAAAAAAAAAAAAAAAAAAAAAAAAAAAAAAAAAAAAAAAAAAAAAAAAAAAAAAAAAAAAAAAAAAAAAAAAAAAFAAAADwAAAAAAAAAAAAAAAAAAAkUAAAAAQAAABQAAAAUAAAAFAAAAAEAAAAAAAAAZAAAAGQAAAAAAAAAZAAAAGQAAAAVAAAAYAAAAAAAAAAAAAAADwAAACADAAAAAAAAAAAAAAEAAACgMgAAVgcAAKr4//8BAAAAf39/AAEAAABkAAAAAAAAABQAAABAHwAAAAAAACYAAAAAAAAAwOD//wAAAAAmAAAAZAAAABYAAABMAAAAAAAAAAAAAAAEAAAAAAAAAAEAAACAgIAKAAAAACgAAAAoAAAAZAAAAGQAAAAAAAAAzMzMAAAAAABQAAAAUAAAAGQAAABkAAAAAAAAABcAAAAUAAAAAAAAANwIAAD/fwAA/38AAAAAAAAJAAAABAAAAMgFAAAMAAAAEAAAAAAAAAAAAAAAAAAAAAAAAAAeAAAAaAAAAAAAAAAAAAAAAAAAAAAAAAAAAAAAECcAABAnAAAAAAAAAAAAAAAAAAAAAAAAAAAAAAAAAAAAAAAAAAAAABQAAAAAAAAAwMD/AAAAAABkAAAAMgAAAAAAAABkAAAAAAAAAH9/fwAKAAAAHwAAAFQAAAC74OMF////AQAAAAAAAAAAAAAAAAAAAAAAAAAAAAAAAAAAAAAAAAAAAAAAAn9/fwCAgIADzMzMAMDA/wB/f38AAAAAAAAAAAAAAAAAAAAAAAAAAAAhAAAAGAAAABQAAADqGAAA0RAAAIkfAADhEgAAECAAACYAAAAIAAAA//////////8="/>
+                <pr:smNativeData xmlns:pr="smNativeData" val="SMDATA_13_IrKAXRMAAAAlAAAAEgAAAE8BAAAAkAAAAEgAAACQAAAASAAAAAAAAAAAAAAAAAAAAAEAAABQAAAAAAAAAAAA4D8AAAAAAADgPwAAAAAAAOA/AAAAAAAA4D8AAAAAAADgPwAAAAAAAOA/AAAAAAAA4D8AAAAAAADgPwAAAAAAAOA/AAAAAAAA4D8CAAAAjAAAAAAAAAAAAAAAu+DjDP///wgAAAAAAAAAAAAAAAAAAAAAAAAAAAAAAAAAAAAAZAAAAAEAAABAAAAAAAAAAAAAAAAAAAAAAAAAAAAAAAAAAAAAAAAAAAAAAAAAAAAAAAAAAAAAAAAAAAAAAAAAAAAAAAAAAAAAAAAAAAAAAAAAAAAAAAAAAAAAAAAAAAAAFAAAADwAAAAAAAAAAAAAAAAAAAkUAAAAAQAAABQAAAAUAAAAFAAAAAEAAAAAAAAAZAAAAGQAAAAAAAAAZAAAAGQAAAAVAAAAYAAAAAAAAAAAAAAADwAAACADAAAAAAAAAAAAAAEAAACgMgAAVgcAAKr4//8BAAAAf39/AAEAAABkAAAAAAAAABQAAABAHwAAAAAAACYAAAAAAAAAwOD//wAAAAAmAAAAZAAAABYAAABMAAAAAAAAAAAAAAAEAAAAAAAAAAEAAACAgIAKAAAAACgAAAAoAAAAZAAAAGQAAAAAAAAAzMzMAAAAAABQAAAAUAAAAGQAAABkAAAAAAAAABcAAAAUAAAAAAAAANwIAAD/fwAA/38AAAAAAAAJAAAABAAAAMgFAAAMAAAAEAAAAAAAAAAAAAAAAAAAAAAAAAAeAAAAaAAAAAAAAAAAAAAAAAAAAAAAAAAAAAAAECcAABAnAAAAAAAAAAAAAAAAAAAAAAAAAAAAAAAAAAAAAAAAAAAAABQAAAAAAAAAwMD/AAAAAABkAAAAMgAAAAAAAABkAAAAAAAAAH9/fwAKAAAAHwAAAFQAAAC74OMF////AQAAAAAAAAAAAAAAAAAAAAAAAAAAAAAAAAAAAAAAAAAAAAAAAn9/fwCAgIADzMzMAMDA/wB/f38AAAAAAAAAAAAAAAAAAAAAAAAAAAAhAAAAGAAAABQAAADqGAAA0RAAAIkfAADhEgAAECAAACYAAAAIAAAA//////////8="/>
               </a:ext>
             </a:extLst>
           </p:cNvSpPr>
@@ -6568,7 +6568,7 @@
           <p:cNvSpPr>
             <a:extLst>
               <a:ext uri="smNativeData">
-                <pr:smNativeData xmlns:pr="smNativeData" val="SMDATA_13_BbpsXRMAAAAlAAAAZAAAAA8BAAAAkAAAAEgAAACQAAAASAAAAAAAAAAAAAAAAAAAAAEAAABQAAAAAAAAAAAA4D8AAAAAAADgPwAAAAAAAOA/AAAAAAAA4D8AAAAAAADgPwAAAAAAAOA/AAAAAAAA4D8AAAAAAADgPwAAAAAAAOA/AAAAAAAA4D8CAAAAjAAAAAEAAAAAAAAAHh4eAP///wgAAAAAAAAAAAAAAAAAAAAAAAAAAAAAAAAAAAAAZAAAAAEAAABAAAAAAAAAAAAAAAAAAAAAAAAAAAAAAAAAAAAAAAAAAAAAAAAAAAAAAAAAAAAAAAAAAAAAAAAAAAAAAAAAAAAAAAAAAAAAAAAAAAAAAAAAAAAAAAAAAAAAFAAAADwAAAAAAAAAAAAAAAAAAAkAAAAAAQAAAAAAAAAAAAAAAAAAAAAAAAAAAAAAZAAAAGQAAAAAAAAAZAAAAGQAAAAVAAAAYAAAAAAAAAAAAAAADwAAACADAAAAAAAAAAAAAAEAAACgMgAAAAAAAAAAAAABAAAAf39/AAEAAABkAAAAAAAAABQAAABAHwAAAAAAACYAAAAAAAAAwOD//wAAAAAmAAAAZAAAABYAAABMAAAAAAAAAAAAAAAEAAAAAAAAAAEAAACAgIAKAAAAACgAAAAoAAAAZAAAAGQAAAAAAAAAzMzMAAAAAABQAAAAUAAAAGQAAABkAAAAAAAAABcAAAAUAAAAAAAAAAAAAAD/fwAA/38AAAAAAAAJAAAABAAAAAAAAAAMAAAAEAAAAAAAAAAAAAAAAAAAAAAAAAAeAAAAaAAAAAAAAAAAAAAAAAAAAAAAAAAAAAAAECcAABAnAAAAAAAAAAAAAAAAAAAAAAAAAAAAAAAAAAAAAAAAAAAAABQAAAAAAAAAwMD/AAAAAABkAAAAMgAAAAAAAABkAAAAAAAAAH9/fwAKAAAAHwAAAFQAAAAeHh4A////AQAAAAAAAAAAAAAAAAAAAAAAAAAAAAAAAAAAAAAAAAAAAAAAAn9/fwCAgIADzMzMAMDA/wB/f38AAAAAAAAAAAAAAAAAAAAAAAAAAAAhAAAAGAAAABQAAAAAAAAAZQcAAEA4AAC4CAAAEAAAACYAAAAIAAAA//////////8="/>
+                <pr:smNativeData xmlns:pr="smNativeData" val="SMDATA_13_IrKAXRMAAAAlAAAAZAAAAA8BAAAAkAAAAEgAAACQAAAASAAAAAAAAAAAAAAAAAAAAAEAAABQAAAAAAAAAAAA4D8AAAAAAADgPwAAAAAAAOA/AAAAAAAA4D8AAAAAAADgPwAAAAAAAOA/AAAAAAAA4D8AAAAAAADgPwAAAAAAAOA/AAAAAAAA4D8CAAAAjAAAAAEAAAAAAAAAHh4eAP///wgAAAAAAAAAAAAAAAAAAAAAAAAAAAAAAAAAAAAAZAAAAAEAAABAAAAAAAAAAAAAAAAAAAAAAAAAAAAAAAAAAAAAAAAAAAAAAAAAAAAAAAAAAAAAAAAAAAAAAAAAAAAAAAAAAAAAAAAAAAAAAAAAAAAAAAAAAAAAAAAAAAAAFAAAADwAAAAAAAAAAAAAAAAAAAkAAAAAAQAAAAAAAAAAAAAAAAAAAAAAAAAAAAAAZAAAAGQAAAAAAAAAZAAAAGQAAAAVAAAAYAAAAAAAAAAAAAAADwAAACADAAAAAAAAAAAAAAEAAACgMgAAAAAAAAAAAAABAAAAf39/AAEAAABkAAAAAAAAABQAAABAHwAAAAAAACYAAAAAAAAAwOD//wAAAAAmAAAAZAAAABYAAABMAAAAAAAAAAAAAAAEAAAAAAAAAAEAAACAgIAKAAAAACgAAAAoAAAAZAAAAGQAAAAAAAAAzMzMAAAAAABQAAAAUAAAAGQAAABkAAAAAAAAABcAAAAUAAAAAAAAAAAAAAD/fwAA/38AAAAAAAAJAAAABAAAAAAAAAAMAAAAEAAAAAAAAAAAAAAAAAAAAAAAAAAeAAAAaAAAAAAAAAAAAAAAAAAAAAAAAAAAAAAAECcAABAnAAAAAAAAAAAAAAAAAAAAAAAAAAAAAAAAAAAAAAAAAAAAABQAAAAAAAAAwMD/AAAAAABkAAAAMgAAAAAAAABkAAAAAAAAAH9/fwAKAAAAHwAAAFQAAAAeHh4A////AQAAAAAAAAAAAAAAAAAAAAAAAAAAAAAAAAAAAAAAAAAAAAAAAn9/fwCAgIADzMzMAMDA/wB/f38AAAAAAAAAAAAAAAAAAAAAAAAAAAAhAAAAGAAAABQAAAAAAAAAZQcAAEA4AAC4CAAAEAAAACYAAAAIAAAA//////////8="/>
               </a:ext>
             </a:extLst>
           </p:cNvSpPr>
@@ -6637,7 +6637,7 @@
           <p:cNvSpPr>
             <a:extLst>
               <a:ext uri="smNativeData">
-                <pr:smNativeData xmlns:pr="smNativeData" val="SMDATA_13_BbpsXRMAAAAlAAAACgAAAA8BAAAAkAAAAEgAAACQAAAASAAAAAAAAAAAAAAAAAAAAAEAAABQAAAAAAAAAAAA4D8AAAAAAADgPwAAAAAAAOA/AAAAAAAA4D8AAAAAAADgPwAAAAAAAOA/AAAAAAAA4D8AAAAAAADgPwAAAAAAAOA/AAAAAAAA4D8CAAAAjAAAAAAAAAAAAAAAu+DjDP///wgAAAAAAAAAAAAAAAAAAAAAAAAAAAAAAAAAAAAAZAAAAAEAAABAAAAAAAAAAAAAAAAAAAAAAAAAAAAAAAAAAAAAAAAAAAAAAAAAAAAAAAAAAAAAAAAAAAAAAAAAAAAAAAAAAAAAAAAAAAAAAAAAAAAAAAAAAAAAAAAAAAAAFAAAADwAAAABAAAAAAAAAFVVVQBQAAAAAQAAAAQAAAAAAAAAAAAAAAAAAAAAAAAAZAAAAGQAAAACAAAAZAAAAGQAAAAVAAAAYAAAAAAAAAAAAAAADwAAACADAAAAAAAAAAAAAAEAAACgMgAAAAAAAAAAAAABAAAAf39/AAEAAABkAAAAAAAAABQAAABAHwAAAAAAACYAAAAAAAAAwOD//wAAAAAmAAAAZAAAABYAAABMAAAAAAAAAAAAAAAEAAAAAAAAAAEAAACAgIAKAAAAACgAAAAoAAAAZAAAAGQAAAAAAAAAzMzMAAAAAABQAAAAUAAAAGQAAABkAAAAAAAAABcAAAAUAAAAAAAAAAAAAAD/fwAA/38AAAAAAAAJAAAABAAAAEZGRkYMAAAAEAAAAAAAAAAAAAAAAAAAAAAAAAAeAAAAaAAAAAAAAAAAAAAAAAAAAAAAAAAAAAAAECcAABAnAAAAAAAAAAAAAAAAAAAAAAAAAAAAAAAAAAAAAAAAAAAAABQAAAAAAAAAwMD/AAAAAABkAAAAMgAAAAAAAABkAAAAAAAAAH9/fwAKAAAAHwAAAFQAAAC74OMF////AQAAAAAAAAAAAAAAAAAAAAAAAAAAAAAAAAAAAAAAAAAAVVVVAH9/fwCAgIADzMzMAMDA/wB/f38AAAAAAAAAAAAAAAAAAAAAAAAAAAAhAAAAGAAAABQAAAA3HAAA0g4AADkcAAB6EAAAEAAAACYAAAAIAAAA//////////8="/>
+                <pr:smNativeData xmlns:pr="smNativeData" val="SMDATA_13_IrKAXRMAAAAlAAAACgAAAA8BAAAAkAAAAEgAAACQAAAASAAAAAAAAAAAAAAAAAAAAAEAAABQAAAAAAAAAAAA4D8AAAAAAADgPwAAAAAAAOA/AAAAAAAA4D8AAAAAAADgPwAAAAAAAOA/AAAAAAAA4D8AAAAAAADgPwAAAAAAAOA/AAAAAAAA4D8CAAAAjAAAAAAAAAAAAAAAu+DjDP///wgAAAAAAAAAAAAAAAAAAAAAAAAAAAAAAAAAAAAAZAAAAAEAAABAAAAAAAAAAAAAAAAAAAAAAAAAAAAAAAAAAAAAAAAAAAAAAAAAAAAAAAAAAAAAAAAAAAAAAAAAAAAAAAAAAAAAAAAAAAAAAAAAAAAAAAAAAAAAAAAAAAAAFAAAADwAAAABAAAAAAAAAFVVVQBQAAAAAQAAAAQAAAAAAAAAAAAAAAAAAAAAAAAAZAAAAGQAAAACAAAAZAAAAGQAAAAVAAAAYAAAAAAAAAAAAAAADwAAACADAAAAAAAAAAAAAAEAAACgMgAAAAAAAAAAAAABAAAAf39/AAEAAABkAAAAAAAAABQAAABAHwAAAAAAACYAAAAAAAAAwOD//wAAAAAmAAAAZAAAABYAAABMAAAAAAAAAAAAAAAEAAAAAAAAAAEAAACAgIAKAAAAACgAAAAoAAAAZAAAAGQAAAAAAAAAzMzMAAAAAABQAAAAUAAAAGQAAABkAAAAAAAAABcAAAAUAAAAAAAAAAAAAAD/fwAA/38AAAAAAAAJAAAABAAAAEZGRkYMAAAAEAAAAAAAAAAAAAAAAAAAAAAAAAAeAAAAaAAAAAAAAAAAAAAAAAAAAAAAAAAAAAAAECcAABAnAAAAAAAAAAAAAAAAAAAAAAAAAAAAAAAAAAAAAAAAAAAAABQAAAAAAAAAwMD/AAAAAABkAAAAMgAAAAAAAABkAAAAAAAAAH9/fwAKAAAAHwAAAFQAAAC74OMF////AQAAAAAAAAAAAAAAAAAAAAAAAAAAAAAAAAAAAAAAAAAAVVVVAH9/fwCAgIADzMzMAMDA/wB/f38AAAAAAAAAAAAAAAAAAAAAAAAAAAAhAAAAGAAAABQAAAA3HAAA0g4AADkcAAB6EAAAEAAAACYAAAAIAAAA//////////8="/>
               </a:ext>
             </a:extLst>
           </p:cNvSpPr>
@@ -6669,7 +6669,7 @@
           <p:cNvSpPr>
             <a:extLst>
               <a:ext uri="smNativeData">
-                <pr:smNativeData xmlns:pr="smNativeData" val="SMDATA_13_BbpsXRMAAAAlAAAACgAAAA8BAAAAkAAAAEgAAACQAAAASAAAAAAAAAAAAAAAAAAAAAEAAABQAAAAAAAAAAAA4D8AAAAAAADgPwAAAAAAAOA/AAAAAAAA4D8AAAAAAADgPwAAAAAAAOA/AAAAAAAA4D8AAAAAAADgPwAAAAAAAOA/AAAAAAAA4D8CAAAAjAAAAAAAAAAAAAAAu+DjDP///wgAAAAAAAAAAAAAAAAAAAAAAAAAAAAAAAAAAAAAZAAAAAEAAABAAAAAAAAAAAAAAAAAAAAAAAAAAAAAAAAAAAAAAAAAAAAAAAAAAAAAAAAAAAAAAAAAAAAAAAAAAAAAAAAAAAAAAAAAAAAAAAAAAAAAAAAAAAAAAAAAAAAAFAAAADwAAAABAAAAAAAAAFVVVQBQAAAAAQAAAAQAAAAAAAAAAAAAAAAAAAAAAAAAZAAAAGQAAAACAAAAZAAAAGQAAAAVAAAAYAAAAAAAAAAAAAAADwAAACADAAAAAAAAAAAAAAEAAACgMgAAAAAAAAAAAAABAAAAf39/AAEAAABkAAAAAAAAABQAAABAHwAAAAAAACYAAAAAAAAAwOD//wAAAAAmAAAAZAAAABYAAABMAAAAAAAAAAAAAAAEAAAAAAAAAAEAAACAgIAKAAAAACgAAAAoAAAAZAAAAGQAAAAAAAAAzMzMAAAAAABQAAAAUAAAAGQAAABkAAAAAAAAABcAAAAUAAAAAAAAAAAAAAD/fwAA/38AAAAAAAAJAAAABAAAADY0NjIMAAAAEAAAAAAAAAAAAAAAAAAAAAAAAAAeAAAAaAAAAAAAAAAAAAAAAAAAAAAAAAAAAAAAECcAABAnAAAAAAAAAAAAAAAAAAAAAAAAAAAAAAAAAAAAAAAAAAAAABQAAAAAAAAAwMD/AAAAAABkAAAAMgAAAAAAAABkAAAAAAAAAH9/fwAKAAAAHwAAAFQAAAC74OMF////AQAAAAAAAAAAAAAAAAAAAAAAAAAAAAAAAAAAAAAAAAAAVVVVAH9/fwCAgIADzMzMAMDA/wB/f38AAAAAAAAAAAAAAAAAAAAAAAAAAAAhAAAAGAAAABQAAAD0FgAA9w4AAMAaAAA7EAAAEAAAACYAAAAIAAAA//////////8="/>
+                <pr:smNativeData xmlns:pr="smNativeData" val="SMDATA_13_IrKAXRMAAAAlAAAACgAAAA8BAAAAkAAAAEgAAACQAAAASAAAAAAAAAAAAAAAAAAAAAEAAABQAAAAAAAAAAAA4D8AAAAAAADgPwAAAAAAAOA/AAAAAAAA4D8AAAAAAADgPwAAAAAAAOA/AAAAAAAA4D8AAAAAAADgPwAAAAAAAOA/AAAAAAAA4D8CAAAAjAAAAAAAAAAAAAAAu+DjDP///wgAAAAAAAAAAAAAAAAAAAAAAAAAAAAAAAAAAAAAZAAAAAEAAABAAAAAAAAAAAAAAAAAAAAAAAAAAAAAAAAAAAAAAAAAAAAAAAAAAAAAAAAAAAAAAAAAAAAAAAAAAAAAAAAAAAAAAAAAAAAAAAAAAAAAAAAAAAAAAAAAAAAAFAAAADwAAAABAAAAAAAAAFVVVQBQAAAAAQAAAAQAAAAAAAAAAAAAAAAAAAAAAAAAZAAAAGQAAAACAAAAZAAAAGQAAAAVAAAAYAAAAAAAAAAAAAAADwAAACADAAAAAAAAAAAAAAEAAACgMgAAAAAAAAAAAAABAAAAf39/AAEAAABkAAAAAAAAABQAAABAHwAAAAAAACYAAAAAAAAAwOD//wAAAAAmAAAAZAAAABYAAABMAAAAAAAAAAAAAAAEAAAAAAAAAAEAAACAgIAKAAAAACgAAAAoAAAAZAAAAGQAAAAAAAAAzMzMAAAAAABQAAAAUAAAAGQAAABkAAAAAAAAABcAAAAUAAAAAAAAAAAAAAD/fwAA/38AAAAAAAAJAAAABAAAADY0NjIMAAAAEAAAAAAAAAAAAAAAAAAAAAAAAAAeAAAAaAAAAAAAAAAAAAAAAAAAAAAAAAAAAAAAECcAABAnAAAAAAAAAAAAAAAAAAAAAAAAAAAAAAAAAAAAAAAAAAAAABQAAAAAAAAAwMD/AAAAAABkAAAAMgAAAAAAAABkAAAAAAAAAH9/fwAKAAAAHwAAAFQAAAC74OMF////AQAAAAAAAAAAAAAAAAAAAAAAAAAAAAAAAAAAAAAAAAAAVVVVAH9/fwCAgIADzMzMAMDA/wB/f38AAAAAAAAAAAAAAAAAAAAAAAAAAAAhAAAAGAAAABQAAAD0FgAA9w4AAMAaAAA7EAAAEAAAACYAAAAIAAAA//////////8="/>
               </a:ext>
             </a:extLst>
           </p:cNvSpPr>
@@ -6701,7 +6701,7 @@
           <p:cNvSpPr>
             <a:extLst>
               <a:ext uri="smNativeData">
-                <pr:smNativeData xmlns:pr="smNativeData" val="SMDATA_13_BbpsXRMAAAAlAAAACgAAAA8BAAAAkAAAAEgAAACQAAAASAAAAAAAAAAAAAAAAAAAAAEAAABQAAAAAAAAAAAA4D8AAAAAAADgPwAAAAAAAOA/AAAAAAAA4D8AAAAAAADgPwAAAAAAAOA/AAAAAAAA4D8AAAAAAADgPwAAAAAAAOA/AAAAAAAA4D8CAAAAjAAAAAAAAAAAAAAAu+DjDP///wgAAAAAAAAAAAAAAAAAAAAAAAAAAAAAAAAAAAAAZAAAAAEAAABAAAAAAAAAAAAAAAAAAAAAAAAAAAAAAAAAAAAAAAAAAAAAAAAAAAAAAAAAAAAAAAAAAAAAAAAAAAAAAAAAAAAAAAAAAAAAAAAAAAAAAAAAAAAAAAAAAAAAFAAAADwAAAABAAAAAAAAAFVVVQBQAAAAAQAAAAQAAAAAAAAAAAAAAAAAAAAAAAAAZAAAAGQAAAACAAAAZAAAAGQAAAAVAAAAYAAAAAAAAAAAAAAADwAAACADAAAAAAAAAAAAAAEAAACgMgAAAAAAAAAAAAABAAAAf39/AAEAAABkAAAAAAAAABQAAABAHwAAAAAAACYAAAAAAAAAwOD//wAAAAAmAAAAZAAAABYAAABMAAAAAAAAAAAAAAAEAAAAAAAAAAEAAACAgIAKAAAAACgAAAAoAAAAZAAAAGQAAAAAAAAAzMzMAAAAAABQAAAAUAAAAGQAAABkAAAAAAAAABcAAAAUAAAAAAAAAAAAAAD/fwAA/38AAAAAAAAJAAAABAAAAEZGRjcMAAAAEAAAAAAAAAAAAAAAAAAAAAAAAAAeAAAAaAAAAAAAAAAAAAAAAAAAAAAAAAAAAAAAECcAABAnAAAAAAAAAAAAAAAAAAAAAAAAAAAAAAAAAAAAAAAAAAAAABQAAAAAAAAAwMD/AAAAAABkAAAAMgAAAAAAAABkAAAAAAAAAH9/fwAKAAAAHwAAAFQAAAC74OMF////AQAAAAAAAAAAAAAAAAAAAAAAAAAAAAAAAAAAAAAAAAAAVVVVAH9/fwCAgIADzMzMAMDA/wB/f38AAAAAAAAAAAAAAAAAAAAAAAAAAAAhAAAAGAAAABQAAAACDwAA/xEAADAVAAA0FAAAEAAAACYAAAAIAAAA//////////8="/>
+                <pr:smNativeData xmlns:pr="smNativeData" val="SMDATA_13_IrKAXRMAAAAlAAAACgAAAA8BAAAAkAAAAEgAAACQAAAASAAAAAAAAAAAAAAAAAAAAAEAAABQAAAAAAAAAAAA4D8AAAAAAADgPwAAAAAAAOA/AAAAAAAA4D8AAAAAAADgPwAAAAAAAOA/AAAAAAAA4D8AAAAAAADgPwAAAAAAAOA/AAAAAAAA4D8CAAAAjAAAAAAAAAAAAAAAu+DjDP///wgAAAAAAAAAAAAAAAAAAAAAAAAAAAAAAAAAAAAAZAAAAAEAAABAAAAAAAAAAAAAAAAAAAAAAAAAAAAAAAAAAAAAAAAAAAAAAAAAAAAAAAAAAAAAAAAAAAAAAAAAAAAAAAAAAAAAAAAAAAAAAAAAAAAAAAAAAAAAAAAAAAAAFAAAADwAAAABAAAAAAAAAFVVVQBQAAAAAQAAAAQAAAAAAAAAAAAAAAAAAAAAAAAAZAAAAGQAAAACAAAAZAAAAGQAAAAVAAAAYAAAAAAAAAAAAAAADwAAACADAAAAAAAAAAAAAAEAAACgMgAAAAAAAAAAAAABAAAAf39/AAEAAABkAAAAAAAAABQAAABAHwAAAAAAACYAAAAAAAAAwOD//wAAAAAmAAAAZAAAABYAAABMAAAAAAAAAAAAAAAEAAAAAAAAAAEAAACAgIAKAAAAACgAAAAoAAAAZAAAAGQAAAAAAAAAzMzMAAAAAABQAAAAUAAAAGQAAABkAAAAAAAAABcAAAAUAAAAAAAAAAAAAAD/fwAA/38AAAAAAAAJAAAABAAAAEZGRjcMAAAAEAAAAAAAAAAAAAAAAAAAAAAAAAAeAAAAaAAAAAAAAAAAAAAAAAAAAAAAAAAAAAAAECcAABAnAAAAAAAAAAAAAAAAAAAAAAAAAAAAAAAAAAAAAAAAAAAAABQAAAAAAAAAwMD/AAAAAABkAAAAMgAAAAAAAABkAAAAAAAAAH9/fwAKAAAAHwAAAFQAAAC74OMF////AQAAAAAAAAAAAAAAAAAAAAAAAAAAAAAAAAAAAAAAAAAAVVVVAH9/fwCAgIADzMzMAMDA/wB/f38AAAAAAAAAAAAAAAAAAAAAAAAAAAAhAAAAGAAAABQAAAACDwAA/xEAADAVAAA0FAAAEAAAACYAAAAIAAAA//////////8="/>
               </a:ext>
             </a:extLst>
           </p:cNvSpPr>
@@ -6733,7 +6733,7 @@
           <p:cNvSpPr>
             <a:extLst>
               <a:ext uri="smNativeData">
-                <pr:smNativeData xmlns:pr="smNativeData" val="SMDATA_13_BbpsXRMAAAAlAAAACgAAAA8BAAAAkAAAAEgAAACQAAAASAAAAAAAAAAAAAAAAAAAAAEAAABQAAAAAAAAAAAA4D8AAAAAAADgPwAAAAAAAOA/AAAAAAAA4D8AAAAAAADgPwAAAAAAAOA/AAAAAAAA4D8AAAAAAADgPwAAAAAAAOA/AAAAAAAA4D8CAAAAjAAAAAAAAAAAAAAAu+DjDP///wgAAAAAAAAAAAAAAAAAAAAAAAAAAAAAAAAAAAAAZAAAAAEAAABAAAAAAAAAAAAAAAAAAAAAAAAAAAAAAAAAAAAAAAAAAAAAAAAAAAAAAAAAAAAAAAAAAAAAAAAAAAAAAAAAAAAAAAAAAAAAAAAAAAAAAAAAAAAAAAAAAAAAFAAAADwAAAABAAAAAAAAAFVVVQBQAAAAAQAAAAQAAAAAAAAAAAAAAAAAAAAAAAAAZAAAAGQAAAACAAAAZAAAAGQAAAAVAAAAYAAAAAAAAAAAAAAADwAAACADAAAAAAAAAAAAAAEAAACgMgAAAAAAAAAAAAABAAAAf39/AAEAAABkAAAAAAAAABQAAABAHwAAAAAAACYAAAAAAAAAwOD//wAAAAAmAAAAZAAAABYAAABMAAAAAAAAAAAAAAAEAAAAAAAAAAEAAACAgIAKAAAAACgAAAAoAAAAZAAAAGQAAAAAAAAAzMzMAAAAAABQAAAAUAAAAGQAAABkAAAAAAAAABcAAAAUAAAAAAAAAAAAAAD/fwAA/38AAAAAAAAJAAAABAAAADY2Q0MMAAAAEAAAAAAAAAAAAAAAAAAAAAAAAAAeAAAAaAAAAAAAAAAAAAAAAAAAAAAAAAAAAAAAECcAABAnAAAAAAAAAAAAAAAAAAAAAAAAAAAAAAAAAAAAAAAAAAAAABQAAAAAAAAAwMD/AAAAAABkAAAAMgAAAAAAAABkAAAAAAAAAH9/fwAKAAAAHwAAAFQAAAC74OMF////AQAAAAAAAAAAAAAAAAAAAAAAAAAAAAAAAAAAAAAAAAAAVVVVAH9/fwCAgIADzMzMAMDA/wB/f38AAAAAAAAAAAAAAAAAAAAAAAAAAAAhAAAAGAAAABQAAAC9DgAAKiEAAL8OAADQIwAAEAAAACYAAAAIAAAA//////////8="/>
+                <pr:smNativeData xmlns:pr="smNativeData" val="SMDATA_13_IrKAXRMAAAAlAAAACgAAAA8BAAAAkAAAAEgAAACQAAAASAAAAAAAAAAAAAAAAAAAAAEAAABQAAAAAAAAAAAA4D8AAAAAAADgPwAAAAAAAOA/AAAAAAAA4D8AAAAAAADgPwAAAAAAAOA/AAAAAAAA4D8AAAAAAADgPwAAAAAAAOA/AAAAAAAA4D8CAAAAjAAAAAAAAAAAAAAAu+DjDP///wgAAAAAAAAAAAAAAAAAAAAAAAAAAAAAAAAAAAAAZAAAAAEAAABAAAAAAAAAAAAAAAAAAAAAAAAAAAAAAAAAAAAAAAAAAAAAAAAAAAAAAAAAAAAAAAAAAAAAAAAAAAAAAAAAAAAAAAAAAAAAAAAAAAAAAAAAAAAAAAAAAAAAFAAAADwAAAABAAAAAAAAAFVVVQBQAAAAAQAAAAQAAAAAAAAAAAAAAAAAAAAAAAAAZAAAAGQAAAACAAAAZAAAAGQAAAAVAAAAYAAAAAAAAAAAAAAADwAAACADAAAAAAAAAAAAAAEAAACgMgAAAAAAAAAAAAABAAAAf39/AAEAAABkAAAAAAAAABQAAABAHwAAAAAAACYAAAAAAAAAwOD//wAAAAAmAAAAZAAAABYAAABMAAAAAAAAAAAAAAAEAAAAAAAAAAEAAACAgIAKAAAAACgAAAAoAAAAZAAAAGQAAAAAAAAAzMzMAAAAAABQAAAAUAAAAGQAAABkAAAAAAAAABcAAAAUAAAAAAAAAAAAAAD/fwAA/38AAAAAAAAJAAAABAAAADY2Q0MMAAAAEAAAAAAAAAAAAAAAAAAAAAAAAAAeAAAAaAAAAAAAAAAAAAAAAAAAAAAAAAAAAAAAECcAABAnAAAAAAAAAAAAAAAAAAAAAAAAAAAAAAAAAAAAAAAAAAAAABQAAAAAAAAAwMD/AAAAAABkAAAAMgAAAAAAAABkAAAAAAAAAH9/fwAKAAAAHwAAAFQAAAC74OMF////AQAAAAAAAAAAAAAAAAAAAAAAAAAAAAAAAAAAAAAAAAAAVVVVAH9/fwCAgIADzMzMAMDA/wB/f38AAAAAAAAAAAAAAAAAAAAAAAAAAAAhAAAAGAAAABQAAAC9DgAAKiEAAL8OAADQIwAAEAAAACYAAAAIAAAA//////////8="/>
               </a:ext>
             </a:extLst>
           </p:cNvSpPr>
@@ -6765,7 +6765,7 @@
           <p:cNvSpPr>
             <a:extLst>
               <a:ext uri="smNativeData">
-                <pr:smNativeData xmlns:pr="smNativeData" val="SMDATA_13_BbpsXRMAAAAlAAAACgAAAA8BAAAAkAAAAEgAAACQAAAASAAAAAAAAAAAAAAAAAAAAAEAAABQAAAAAAAAAAAA4D8AAAAAAADgPwAAAAAAAOA/AAAAAAAA4D8AAAAAAADgPwAAAAAAAOA/AAAAAAAA4D8AAAAAAADgPwAAAAAAAOA/AAAAAAAA4D8CAAAAjAAAAAAAAAAAAAAAu+DjDP///wgAAAAAAAAAAAAAAAAAAAAAAAAAAAAAAAAAAAAAZAAAAAEAAABAAAAAAAAAAAAAAAAAAAAAAAAAAAAAAAAAAAAAAAAAAAAAAAAAAAAAAAAAAAAAAAAAAAAAAAAAAAAAAAAAAAAAAAAAAAAAAAAAAAAAAAAAAAAAAAAAAAAAFAAAADwAAAABAAAAAAAAAFVVVQBQAAAAAQAAAAQAAAAAAAAAAAAAAAAAAAAAAAAAZAAAAGQAAAACAAAAZAAAAGQAAAAVAAAAYAAAAAAAAAAAAAAADwAAACADAAAAAAAAAAAAAAEAAACgMgAAAAAAAAAAAAABAAAAf39/AAEAAABkAAAAAAAAABQAAABAHwAAAAAAACYAAAAAAAAAwOD//wAAAAAmAAAAZAAAABYAAABMAAAAAAAAAAAAAAAEAAAAAAAAAAEAAACAgIAKAAAAACgAAAAoAAAAZAAAAGQAAAAAAAAAzMzMAAAAAABQAAAAUAAAAGQAAABkAAAAAAAAABcAAAAUAAAAAAAAAAAAAAD/fwAA/38AAAAAAAAJAAAABAAAADMzMDAMAAAAEAAAAAAAAAAAAAAAAAAAAAAAAAAeAAAAaAAAAAAAAAAAAAAAAAAAAAAAAAAAAAAAECcAABAnAAAAAAAAAAAAAAAAAAAAAAAAAAAAAAAAAAAAAAAAAAAAABQAAAAAAAAAwMD/AAAAAABkAAAAMgAAAAAAAABkAAAAAAAAAH9/fwAKAAAAHwAAAFQAAAC74OMF////AQAAAAAAAAAAAAAAAAAAAAAAAAAAAAAAAAAAAAAAAAAAVVVVAH9/fwCAgIADzMzMAMDA/wB/f38AAAAAAAAAAAAAAAAAAAAAAAAAAAAhAAAAGAAAABQAAADXDgAAdBkAANkOAAAaHAAAEAAAACYAAAAIAAAA//////////8="/>
+                <pr:smNativeData xmlns:pr="smNativeData" val="SMDATA_13_IrKAXRMAAAAlAAAACgAAAA8BAAAAkAAAAEgAAACQAAAASAAAAAAAAAAAAAAAAAAAAAEAAABQAAAAAAAAAAAA4D8AAAAAAADgPwAAAAAAAOA/AAAAAAAA4D8AAAAAAADgPwAAAAAAAOA/AAAAAAAA4D8AAAAAAADgPwAAAAAAAOA/AAAAAAAA4D8CAAAAjAAAAAAAAAAAAAAAu+DjDP///wgAAAAAAAAAAAAAAAAAAAAAAAAAAAAAAAAAAAAAZAAAAAEAAABAAAAAAAAAAAAAAAAAAAAAAAAAAAAAAAAAAAAAAAAAAAAAAAAAAAAAAAAAAAAAAAAAAAAAAAAAAAAAAAAAAAAAAAAAAAAAAAAAAAAAAAAAAAAAAAAAAAAAFAAAADwAAAABAAAAAAAAAFVVVQBQAAAAAQAAAAQAAAAAAAAAAAAAAAAAAAAAAAAAZAAAAGQAAAACAAAAZAAAAGQAAAAVAAAAYAAAAAAAAAAAAAAADwAAACADAAAAAAAAAAAAAAEAAACgMgAAAAAAAAAAAAABAAAAf39/AAEAAABkAAAAAAAAABQAAABAHwAAAAAAACYAAAAAAAAAwOD//wAAAAAmAAAAZAAAABYAAABMAAAAAAAAAAAAAAAEAAAAAAAAAAEAAACAgIAKAAAAACgAAAAoAAAAZAAAAGQAAAAAAAAAzMzMAAAAAABQAAAAUAAAAGQAAABkAAAAAAAAABcAAAAUAAAAAAAAAAAAAAD/fwAA/38AAAAAAAAJAAAABAAAADMzMDAMAAAAEAAAAAAAAAAAAAAAAAAAAAAAAAAeAAAAaAAAAAAAAAAAAAAAAAAAAAAAAAAAAAAAECcAABAnAAAAAAAAAAAAAAAAAAAAAAAAAAAAAAAAAAAAAAAAAAAAABQAAAAAAAAAwMD/AAAAAABkAAAAMgAAAAAAAABkAAAAAAAAAH9/fwAKAAAAHwAAAFQAAAC74OMF////AQAAAAAAAAAAAAAAAAAAAAAAAAAAAAAAAAAAAAAAAAAAVVVVAH9/fwCAgIADzMzMAMDA/wB/f38AAAAAAAAAAAAAAAAAAAAAAAAAAAAhAAAAGAAAABQAAADXDgAAdBkAANkOAAAaHAAAEAAAACYAAAAIAAAA//////////8="/>
               </a:ext>
             </a:extLst>
           </p:cNvSpPr>
@@ -6797,7 +6797,7 @@
           <p:cNvSpPr>
             <a:extLst>
               <a:ext uri="smNativeData">
-                <pr:smNativeData xmlns:pr="smNativeData" val="SMDATA_13_BbpsXRMAAAAlAAAACgAAAA8BAAAAkAAAAEgAAACQAAAASAAAAAAAAAAAAAAAAAAAAAEAAABQAAAAAAAAAAAA4D8AAAAAAADgPwAAAAAAAOA/AAAAAAAA4D8AAAAAAADgPwAAAAAAAOA/AAAAAAAA4D8AAAAAAADgPwAAAAAAAOA/AAAAAAAA4D8CAAAAjAAAAAAAAAAAAAAAu+DjDP///wgAAAAAAAAAAAAAAAAAAAAAAAAAAAAAAAAAAAAAZAAAAAEAAABAAAAAAAAAAAAAAAAAAAAAAAAAAAAAAAAAAAAAAAAAAAAAAAAAAAAAAAAAAAAAAAAAAAAAAAAAAAAAAAAAAAAAAAAAAAAAAAAAAAAAAAAAAAAAAAAAAAAAFAAAADwAAAABAAAAAAAAAFVVVQBQAAAAAQAAAAQAAAAAAAAAAAAAAAAAAAAAAAAAZAAAAGQAAAACAAAAZAAAAGQAAAAVAAAAYAAAAAAAAAAAAAAADwAAACADAAAAAAAAAAAAAAEAAACgMgAAAAAAAAAAAAABAAAAf39/AAEAAABkAAAAAAAAABQAAABAHwAAAAAAACYAAAAAAAAAwOD//wAAAAAmAAAAZAAAABYAAABMAAAAAAAAAAAAAAAEAAAAAAAAAAEAAACAgIAKAAAAACgAAAAoAAAAZAAAAGQAAAAAAAAAzMzMAAAAAABQAAAAUAAAAGQAAABkAAAAAAAAABcAAAAUAAAAAAAAAAAAAAD/fwAA/38AAAAAAAAJAAAABAAAADMzOTkMAAAAEAAAAAAAAAAAAAAAAAAAAAAAAAAeAAAAaAAAAAAAAAAAAAAAAAAAAAAAAAAAAAAAECcAABAnAAAAAAAAAAAAAAAAAAAAAAAAAAAAAAAAAAAAAAAAAAAAABQAAAAAAAAAwMD/AAAAAABkAAAAMgAAAAAAAABkAAAAAAAAAH9/fwAKAAAAHwAAAFQAAAC74OMF////AQAAAAAAAAAAAAAAAAAAAAAAAAAAAAAAAAAAAAAAAAAAVVVVAH9/fwCAgIADzMzMAMDA/wB/f38AAAAAAAAAAAAAAAAAAAAAAAAAAAAhAAAAGAAAABQAAAA3HAAAjBkAADkcAAAyHAAAEAAAACYAAAAIAAAA//////////8="/>
+                <pr:smNativeData xmlns:pr="smNativeData" val="SMDATA_13_IrKAXRMAAAAlAAAACgAAAA8BAAAAkAAAAEgAAACQAAAASAAAAAAAAAAAAAAAAAAAAAEAAABQAAAAAAAAAAAA4D8AAAAAAADgPwAAAAAAAOA/AAAAAAAA4D8AAAAAAADgPwAAAAAAAOA/AAAAAAAA4D8AAAAAAADgPwAAAAAAAOA/AAAAAAAA4D8CAAAAjAAAAAAAAAAAAAAAu+DjDP///wgAAAAAAAAAAAAAAAAAAAAAAAAAAAAAAAAAAAAAZAAAAAEAAABAAAAAAAAAAAAAAAAAAAAAAAAAAAAAAAAAAAAAAAAAAAAAAAAAAAAAAAAAAAAAAAAAAAAAAAAAAAAAAAAAAAAAAAAAAAAAAAAAAAAAAAAAAAAAAAAAAAAAFAAAADwAAAABAAAAAAAAAFVVVQBQAAAAAQAAAAQAAAAAAAAAAAAAAAAAAAAAAAAAZAAAAGQAAAACAAAAZAAAAGQAAAAVAAAAYAAAAAAAAAAAAAAADwAAACADAAAAAAAAAAAAAAEAAACgMgAAAAAAAAAAAAABAAAAf39/AAEAAABkAAAAAAAAABQAAABAHwAAAAAAACYAAAAAAAAAwOD//wAAAAAmAAAAZAAAABYAAABMAAAAAAAAAAAAAAAEAAAAAAAAAAEAAACAgIAKAAAAACgAAAAoAAAAZAAAAGQAAAAAAAAAzMzMAAAAAABQAAAAUAAAAGQAAABkAAAAAAAAABcAAAAUAAAAAAAAAAAAAAD/fwAA/38AAAAAAAAJAAAABAAAADMzOTkMAAAAEAAAAAAAAAAAAAAAAAAAAAAAAAAeAAAAaAAAAAAAAAAAAAAAAAAAAAAAAAAAAAAAECcAABAnAAAAAAAAAAAAAAAAAAAAAAAAAAAAAAAAAAAAAAAAAAAAABQAAAAAAAAAwMD/AAAAAABkAAAAMgAAAAAAAABkAAAAAAAAAH9/fwAKAAAAHwAAAFQAAAC74OMF////AQAAAAAAAAAAAAAAAAAAAAAAAAAAAAAAAAAAAAAAAAAAVVVVAH9/fwCAgIADzMzMAMDA/wB/f38AAAAAAAAAAAAAAAAAAAAAAAAAAAAhAAAAGAAAABQAAAA3HAAAjBkAADkcAAAyHAAAEAAAACYAAAAIAAAA//////////8="/>
               </a:ext>
             </a:extLst>
           </p:cNvSpPr>
@@ -6829,7 +6829,7 @@
           <p:cNvSpPr>
             <a:extLst>
               <a:ext uri="smNativeData">
-                <pr:smNativeData xmlns:pr="smNativeData" val="SMDATA_13_BbpsXRMAAAAlAAAACgAAAA8BAAAAkAAAAEgAAACQAAAASAAAAAAAAAAAAAAAAAAAAAEAAABQAAAAAAAAAAAA4D8AAAAAAADgPwAAAAAAAOA/AAAAAAAA4D8AAAAAAADgPwAAAAAAAOA/AAAAAAAA4D8AAAAAAADgPwAAAAAAAOA/AAAAAAAA4D8CAAAAjAAAAAAAAAAAAAAAu+DjDP///wgAAAAAAAAAAAAAAAAAAAAAAAAAAAAAAAAAAAAAZAAAAAEAAABAAAAAAAAAAAAAAAAAAAAAAAAAAAAAAAAAAAAAAAAAAAAAAAAAAAAAAAAAAAAAAAAAAAAAAAAAAAAAAAAAAAAAAAAAAAAAAAAAAAAAAAAAAAAAAAAAAAAAFAAAADwAAAABAAAAAAAAAFVVVQBQAAAAAQAAAAQAAAAAAAAAAAAAAAAAAAAAAAAAZAAAAGQAAAACAAAAZAAAAGQAAAAVAAAAYAAAAAAAAAAAAAAADwAAACADAAAAAAAAAAAAAAEAAACgMgAAAAAAAAAAAAABAAAAf39/AAEAAABkAAAAAAAAABQAAABAHwAAAAAAACYAAAAAAAAAwOD//wAAAAAmAAAAZAAAABYAAABMAAAAAAAAAAAAAAAEAAAAAAAAAAEAAACAgIAKAAAAACgAAAAoAAAAZAAAAGQAAAAAAAAAzMzMAAAAAABQAAAAUAAAAGQAAABkAAAAAAAAABcAAAAUAAAAAAAAAAAAAAD/fwAA/38AAAAAAAAJAAAABAAAAAIAAAAMAAAAEAAAAAAAAAAAAAAAAAAAAAAAAAAeAAAAaAAAAAAAAAAAAAAAAAAAAAAAAAAAAAAAECcAABAnAAAAAAAAAAAAAAAAAAAAAAAAAAAAAAAAAAAAAAAAAAAAABQAAAAAAAAAwMD/AAAAAABkAAAAMgAAAAAAAABkAAAAAAAAAH9/fwAKAAAAHwAAAFQAAAC74OMF////AQAAAAAAAAAAAAAAAAAAAAAAAAAAAAAAAAAAAAAAAAAAVVVVAH9/fwCAgIADzMzMAMDA/wB/f38AAAAAAAAAAAAAAAAAAAAAAAAAAAAhAAAAGAAAABQAAAAfHAAAcBIAACEcAAAYFAAAEAAAACYAAAAIAAAA//////////8="/>
+                <pr:smNativeData xmlns:pr="smNativeData" val="SMDATA_13_IrKAXRMAAAAlAAAACgAAAA8BAAAAkAAAAEgAAACQAAAASAAAAAAAAAAAAAAAAAAAAAEAAABQAAAAAAAAAAAA4D8AAAAAAADgPwAAAAAAAOA/AAAAAAAA4D8AAAAAAADgPwAAAAAAAOA/AAAAAAAA4D8AAAAAAADgPwAAAAAAAOA/AAAAAAAA4D8CAAAAjAAAAAAAAAAAAAAAu+DjDP///wgAAAAAAAAAAAAAAAAAAAAAAAAAAAAAAAAAAAAAZAAAAAEAAABAAAAAAAAAAAAAAAAAAAAAAAAAAAAAAAAAAAAAAAAAAAAAAAAAAAAAAAAAAAAAAAAAAAAAAAAAAAAAAAAAAAAAAAAAAAAAAAAAAAAAAAAAAAAAAAAAAAAAFAAAADwAAAABAAAAAAAAAFVVVQBQAAAAAQAAAAQAAAAAAAAAAAAAAAAAAAAAAAAAZAAAAGQAAAACAAAAZAAAAGQAAAAVAAAAYAAAAAAAAAAAAAAADwAAACADAAAAAAAAAAAAAAEAAACgMgAAAAAAAAAAAAABAAAAf39/AAEAAABkAAAAAAAAABQAAABAHwAAAAAAACYAAAAAAAAAwOD//wAAAAAmAAAAZAAAABYAAABMAAAAAAAAAAAAAAAEAAAAAAAAAAEAAACAgIAKAAAAACgAAAAoAAAAZAAAAGQAAAAAAAAAzMzMAAAAAABQAAAAUAAAAGQAAABkAAAAAAAAABcAAAAUAAAAAAAAAAAAAAD/fwAA/38AAAAAAAAJAAAABAAAAAIAAAAMAAAAEAAAAAAAAAAAAAAAAAAAAAAAAAAeAAAAaAAAAAAAAAAAAAAAAAAAAAAAAAAAAAAAECcAABAnAAAAAAAAAAAAAAAAAAAAAAAAAAAAAAAAAAAAAAAAAAAAABQAAAAAAAAAwMD/AAAAAABkAAAAMgAAAAAAAABkAAAAAAAAAH9/fwAKAAAAHwAAAFQAAAC74OMF////AQAAAAAAAAAAAAAAAAAAAAAAAAAAAAAAAAAAAAAAAAAAVVVVAH9/fwCAgIADzMzMAMDA/wB/f38AAAAAAAAAAAAAAAAAAAAAAAAAAAAhAAAAGAAAABQAAAAfHAAAcBIAACEcAAAYFAAAEAAAACYAAAAIAAAA//////////8="/>
               </a:ext>
             </a:extLst>
           </p:cNvSpPr>
@@ -6861,7 +6861,7 @@
           <p:cNvSpPr>
             <a:extLst>
               <a:ext uri="smNativeData">
-                <pr:smNativeData xmlns:pr="smNativeData" val="SMDATA_13_BbpsXRMAAAAlAAAAZAAAAA8BAAAAkAAAAEgAAACQAAAASAAAAAAAAAABAAAAAAAAAAEAAABQAAAAAAAAAAAA4D8AAAAAAADgPwAAAAAAAOA/AAAAAAAA4D8AAAAAAADgPwAAAAAAAOA/AAAAAAAA4D8AAAAAAADgPwAAAAAAAOA/AAAAAAAA4D8CAAAAjAAAAAAAAAAAAAAAu+DjDP///wgAAAAAAAAAAAAAAAAAAAAAAAAAAAAAAAAAAAAAZAAAAAEAAABAAAAAAAAAAAAAAAAAAAAAAAAAAAAAAAAAAAAAAAAAAAAAAAAAAAAAAAAAAAAAAAAAAAAAAAAAAAAAAAAAAAAAAAAAAAAAAAAAAAAAAAAAAAAAAAAAAAAAFAAAADwAAAAAAAAAAAAAAAAAAAkUAAAAAQAAABQAAAAUAAAAFAAAAAEAAAAAAAAAZAAAAGQAAAAAAAAAZAAAAGQAAAAVAAAAYAAAAAAAAAAAAAAADwAAACADAAAAAAAAAAAAAAEAAACgMgAAVgcAAKr4//8BAAAAf39/AAEAAABkAAAAAAAAABQAAABAHwAAAAAAACYAAAAAAAAAwOD//wAAAAAmAAAAZAAAABYAAABMAAAAAAAAAAAAAAAEAAAAAAAAAAEAAACAgIAKAAAAACgAAAAoAAAAZAAAAGQAAAAAAAAAzMzMAAAAAABQAAAAUAAAAGQAAABkAAAAAAAAABcAAAAUAAAAAAAAAAAAAAD/fwAA/38AAAAAAAAJAAAABAAAADA1OTcMAAAAEAAAAAAAAAAAAAAAAAAAAAAAAAAeAAAAaAAAAAAAAAAAAAAAAAAAAAAAAAAAAAAAECcAABAnAAAAAAAAAAAAAAAAAAAAAAAAAAAAAAAAAAAAAAAAAAAAABQAAAAAAAAAwMD/AAAAAABkAAAAMgAAAAAAAABkAAAAAAAAAH9/fwAKAAAAHwAAAFQAAAC74OMF////AQAAAAAAAAAAAAAAAAAAAAAAAAAAAAAAAAAAAAAAAAAAAAAAAn9/fwCAgIADzMzMAMDA/wB/f38AAAAAAAAAAAAAAAAAAAAAAAAAAAAhAAAAGAAAABQAAABqBAAAiAMAABY0AAAoBwAAEAAAACYAAAAIAAAA//////////8="/>
+                <pr:smNativeData xmlns:pr="smNativeData" val="SMDATA_13_IrKAXRMAAAAlAAAAZAAAAA8BAAAAkAAAAEgAAACQAAAASAAAAAAAAAABAAAAAAAAAAEAAABQAAAAAAAAAAAA4D8AAAAAAADgPwAAAAAAAOA/AAAAAAAA4D8AAAAAAADgPwAAAAAAAOA/AAAAAAAA4D8AAAAAAADgPwAAAAAAAOA/AAAAAAAA4D8CAAAAjAAAAAAAAAAAAAAAu+DjDP///wgAAAAAAAAAAAAAAAAAAAAAAAAAAAAAAAAAAAAAZAAAAAEAAABAAAAAAAAAAAAAAAAAAAAAAAAAAAAAAAAAAAAAAAAAAAAAAAAAAAAAAAAAAAAAAAAAAAAAAAAAAAAAAAAAAAAAAAAAAAAAAAAAAAAAAAAAAAAAAAAAAAAAFAAAADwAAAAAAAAAAAAAAAAAAAkUAAAAAQAAABQAAAAUAAAAFAAAAAEAAAAAAAAAZAAAAGQAAAAAAAAAZAAAAGQAAAAVAAAAYAAAAAAAAAAAAAAADwAAACADAAAAAAAAAAAAAAEAAACgMgAAVgcAAKr4//8BAAAAf39/AAEAAABkAAAAAAAAABQAAABAHwAAAAAAACYAAAAAAAAAwOD//wAAAAAmAAAAZAAAABYAAABMAAAAAAAAAAAAAAAEAAAAAAAAAAEAAACAgIAKAAAAACgAAAAoAAAAZAAAAGQAAAAAAAAAzMzMAAAAAABQAAAAUAAAAGQAAABkAAAAAAAAABcAAAAUAAAAAAAAAAAAAAD/fwAA/38AAAAAAAAJAAAABAAAADA1OTcMAAAAEAAAAAAAAAAAAAAAAAAAAAAAAAAeAAAAaAAAAAAAAAAAAAAAAAAAAAAAAAAAAAAAECcAABAnAAAAAAAAAAAAAAAAAAAAAAAAAAAAAAAAAAAAAAAAAAAAABQAAAAAAAAAwMD/AAAAAABkAAAAMgAAAAAAAABkAAAAAAAAAH9/fwAKAAAAHwAAAFQAAAC74OMF////AQAAAAAAAAAAAAAAAAAAAAAAAAAAAAAAAAAAAAAAAAAAAAAAAn9/fwCAgIADzMzMAMDA/wB/f38AAAAAAAAAAAAAAAAAAAAAAAAAAAAhAAAAGAAAABQAAABqBAAAiAMAABY0AAAoBwAAEAAAACYAAAAIAAAA//////////8="/>
               </a:ext>
             </a:extLst>
           </p:cNvSpPr>
@@ -6907,7 +6907,7 @@
           <p:cNvSpPr>
             <a:extLst>
               <a:ext uri="smNativeData">
-                <pr:smNativeData xmlns:pr="smNativeData" val="SMDATA_13_BbpsXRMAAAAlAAAAZAAAAA8BAAAAkAAAAEgAAACQAAAASAAAAAAAAAAAAAAAAAAAAAEAAABQAAAAAAAAAAAA4D8AAAAAAADgPwAAAAAAAOA/AAAAAAAA4D8AAAAAAADgPwAAAAAAAOA/AAAAAAAA4D8AAAAAAADgPwAAAAAAAOA/AAAAAAAA4D8CAAAAjAAAAAAAAAAAAAAAu+DjDP///wgAAAAAAAAAAAAAAAAAAAAAAAAAAAAAAAAAAAAAZAAAAAEAAABAAAAAAAAAAAAAAAAAAAAAAAAAAAAAAAAAAAAAAAAAAAAAAAAAAAAAAAAAAAAAAAAAAAAAAAAAAAAAAAAAAAAAAAAAAAAAAAAAAAAAAAAAAAAAAAAAAAAAFAAAADwAAAABAAAAAAAAAB4eHgB4AAAAAQAAAAYAAAAAAAAAAAAAAAAAAAAAAAAAZAAAAGQAAAAAAAAAZAAAAGQAAAAVAAAAYAAAAAAAAAAAAAAADwAAACADAAAAAAAAAAAAAAEAAACgMgAAAAAAAAAAAAABAAAAf39/AAEAAABkAAAAAAAAABQAAABAHwAAAAAAACYAAAAAAAAAwOD//wAAAAAmAAAAZAAAABYAAABMAAAAAAAAAAAAAAAEAAAAAAAAAAEAAACAgIAKAAAAACgAAAAoAAAAZAAAAGQAAAAAAAAAzMzMAAAAAABQAAAAUAAAAGQAAABkAAAAAAAAABcAAAAUAAAAAAAAAAAAAAD/fwAA/38AAAAAAAAJAAAABAAAAAAAAAAMAAAAEAAAAAAAAAAAAAAAAAAAAAAAAAAeAAAAaAAAAAAAAAAAAAAAAAAAAAAAAAAAAAAAECcAABAnAAAAAAAAAAAAAAAAAAAAAAAAAAAAAAAAAAAAAAAAPAAAABQAAAAoAAAAHh4eAAAAAABkAAAAMgAAAAAAAABkAAAAAAAAAH9/fwAKAAAAHwAAAFQAAAC74OMF////AQAAAAAAAAAAAAAAAAAAAAAAAAAAAAAAAAAAAAAAAAAAHh4eAH9/fwCAgIADzMzMAB4eHgB/f38AAAAAAAAAAAAAAAAAAAAAAAAAAAAhAAAAGAAAABQAAADMGQAADQoAAKceAADoDgAAEAAAACYAAAAIAAAA//////////8="/>
+                <pr:smNativeData xmlns:pr="smNativeData" val="SMDATA_13_IrKAXRMAAAAlAAAAZAAAAA8BAAAAkAAAAEgAAACQAAAASAAAAAAAAAAAAAAAAAAAAAEAAABQAAAAAAAAAAAA4D8AAAAAAADgPwAAAAAAAOA/AAAAAAAA4D8AAAAAAADgPwAAAAAAAOA/AAAAAAAA4D8AAAAAAADgPwAAAAAAAOA/AAAAAAAA4D8CAAAAjAAAAAAAAAAAAAAAu+DjDP///wgAAAAAAAAAAAAAAAAAAAAAAAAAAAAAAAAAAAAAZAAAAAEAAABAAAAAAAAAAAAAAAAAAAAAAAAAAAAAAAAAAAAAAAAAAAAAAAAAAAAAAAAAAAAAAAAAAAAAAAAAAAAAAAAAAAAAAAAAAAAAAAAAAAAAAAAAAAAAAAAAAAAAFAAAADwAAAABAAAAAAAAAB4eHgB4AAAAAQAAAAYAAAAAAAAAAAAAAAAAAAAAAAAAZAAAAGQAAAAAAAAAZAAAAGQAAAAVAAAAYAAAAAAAAAAAAAAADwAAACADAAAAAAAAAAAAAAEAAACgMgAAAAAAAAAAAAABAAAAf39/AAEAAABkAAAAAAAAABQAAABAHwAAAAAAACYAAAAAAAAAwOD//wAAAAAmAAAAZAAAABYAAABMAAAAAAAAAAAAAAAEAAAAAAAAAAEAAACAgIAKAAAAACgAAAAoAAAAZAAAAGQAAAAAAAAAzMzMAAAAAABQAAAAUAAAAGQAAABkAAAAAAAAABcAAAAUAAAAAAAAAAAAAAD/fwAA/38AAAAAAAAJAAAABAAAAAAAAAAMAAAAEAAAAAAAAAAAAAAAAAAAAAAAAAAeAAAAaAAAAAAAAAAAAAAAAAAAAAAAAAAAAAAAECcAABAnAAAAAAAAAAAAAAAAAAAAAAAAAAAAAAAAAAAAAAAAPAAAABQAAAAoAAAAHh4eAAAAAABkAAAAMgAAAAAAAABkAAAAAAAAAH9/fwAKAAAAHwAAAFQAAAC74OMF////AQAAAAAAAAAAAAAAAAAAAAAAAAAAAAAAAAAAAAAAAAAAHh4eAH9/fwCAgIADzMzMAB4eHgB/f38AAAAAAAAAAAAAAAAAAAAAAAAAAAAhAAAAGAAAABQAAADMGQAADQoAAKceAADoDgAAEAAAACYAAAAIAAAA//////////8="/>
               </a:ext>
             </a:extLst>
           </p:cNvSpPr>
@@ -6946,7 +6946,7 @@
           <p:cNvSpPr>
             <a:extLst>
               <a:ext uri="smNativeData">
-                <pr:smNativeData xmlns:pr="smNativeData" val="SMDATA_13_BbpsXRMAAAAlAAAAZAAAAA8BAAAAkAAAAEgAAACQAAAASAAAAAAAAAAAAAAAAAAAAAEAAABQAAAAAAAAAAAA4D8AAAAAAADgPwAAAAAAAOA/AAAAAAAA4D8AAAAAAADgPwAAAAAAAOA/AAAAAAAA4D8AAAAAAADgPwAAAAAAAOA/AAAAAAAA4D8CAAAAjAAAAAAAAAAAAAAAu+DjDP///wgAAAAAAAAAAAAAAAAAAAAAAAAAAAAAAAAAAAAAZAAAAAEAAABAAAAAAAAAAAAAAAAAAAAAAAAAAAAAAAAAAAAAAAAAAAAAAAAAAAAAAAAAAAAAAAAAAAAAAAAAAAAAAAAAAAAAAAAAAAAAAAAAAAAAAAAAAAAAAAAAAAAAFAAAADwAAAABAAAAAAAAAB4eHgB4AAAAAQAAAAYAAAAAAAAAAAAAAAAAAAAAAAAAZAAAAGQAAAAAAAAAZAAAAGQAAAAVAAAAYAAAAAAAAAAAAAAADwAAACADAAAAAAAAAAAAAAEAAACgMgAAAAAAAAAAAAABAAAAf39/AAEAAABkAAAAAAAAABQAAABAHwAAAAAAACYAAAAAAAAAwOD//wAAAAAmAAAAZAAAABYAAABMAAAAAAAAAAAAAAAEAAAAAAAAAAEAAACAgIAKAAAAACgAAAAoAAAAZAAAAGQAAAAAAAAAzMzMAAAAAABQAAAAUAAAAGQAAABkAAAAAAAAABcAAAAUAAAAAAAAAAAAAAD/fwAA/38AAAAAAAAJAAAABAAAAEM3QjcMAAAAEAAAAAAAAAAAAAAAAAAAAAAAAAAeAAAAaAAAAAAAAAAAAAAAAAAAAAAAAAAAAAAAECcAABAnAAAAAAAAAAAAAAAAAAAAAAAAAAAAAAAAAAAAAAAAPAAAABQAAAAoAAAAHh4eAAAAAABkAAAAMgAAAAAAAABkAAAAAAAAAH9/fwAKAAAAHwAAAFQAAAC74OMF////AQAAAAAAAAAAAAAAAAAAAAAAAAAAAAAAAAAAAAAAAAAAHh4eAH9/fwCAgIADzMzMAB4eHgB/f38AAAAAAAAAAAAAAAAAAAAAAAAAAAAhAAAAGAAAABQAAADMGQAApRQAAKceAACAGQAAEAAAACYAAAAIAAAA//////////8="/>
+                <pr:smNativeData xmlns:pr="smNativeData" val="SMDATA_13_IrKAXRMAAAAlAAAAZAAAAA8BAAAAkAAAAEgAAACQAAAASAAAAAAAAAAAAAAAAAAAAAEAAABQAAAAAAAAAAAA4D8AAAAAAADgPwAAAAAAAOA/AAAAAAAA4D8AAAAAAADgPwAAAAAAAOA/AAAAAAAA4D8AAAAAAADgPwAAAAAAAOA/AAAAAAAA4D8CAAAAjAAAAAAAAAAAAAAAu+DjDP///wgAAAAAAAAAAAAAAAAAAAAAAAAAAAAAAAAAAAAAZAAAAAEAAABAAAAAAAAAAAAAAAAAAAAAAAAAAAAAAAAAAAAAAAAAAAAAAAAAAAAAAAAAAAAAAAAAAAAAAAAAAAAAAAAAAAAAAAAAAAAAAAAAAAAAAAAAAAAAAAAAAAAAFAAAADwAAAABAAAAAAAAAB4eHgB4AAAAAQAAAAYAAAAAAAAAAAAAAAAAAAAAAAAAZAAAAGQAAAAAAAAAZAAAAGQAAAAVAAAAYAAAAAAAAAAAAAAADwAAACADAAAAAAAAAAAAAAEAAACgMgAAAAAAAAAAAAABAAAAf39/AAEAAABkAAAAAAAAABQAAABAHwAAAAAAACYAAAAAAAAAwOD//wAAAAAmAAAAZAAAABYAAABMAAAAAAAAAAAAAAAEAAAAAAAAAAEAAACAgIAKAAAAACgAAAAoAAAAZAAAAGQAAAAAAAAAzMzMAAAAAABQAAAAUAAAAGQAAABkAAAAAAAAABcAAAAUAAAAAAAAAAAAAAD/fwAA/38AAAAAAAAJAAAABAAAAEM3QjcMAAAAEAAAAAAAAAAAAAAAAAAAAAAAAAAeAAAAaAAAAAAAAAAAAAAAAAAAAAAAAAAAAAAAECcAABAnAAAAAAAAAAAAAAAAAAAAAAAAAAAAAAAAAAAAAAAAPAAAABQAAAAoAAAAHh4eAAAAAABkAAAAMgAAAAAAAABkAAAAAAAAAH9/fwAKAAAAHwAAAFQAAAC74OMF////AQAAAAAAAAAAAAAAAAAAAAAAAAAAAAAAAAAAAAAAAAAAHh4eAH9/fwCAgIADzMzMAB4eHgB/f38AAAAAAAAAAAAAAAAAAAAAAAAAAAAhAAAAGAAAABQAAADMGQAApRQAAKceAACAGQAAEAAAACYAAAAIAAAA//////////8="/>
               </a:ext>
             </a:extLst>
           </p:cNvSpPr>
@@ -6985,7 +6985,7 @@
           <p:cNvSpPr>
             <a:extLst>
               <a:ext uri="smNativeData">
-                <pr:smNativeData xmlns:pr="smNativeData" val="SMDATA_13_BbpsXRMAAAAlAAAAZAAAAA8BAAAAkAAAAEgAAACQAAAASAAAAAAAAAAAAAAAAAAAAAEAAABQAAAAAAAAAAAA4D8AAAAAAADgPwAAAAAAAOA/AAAAAAAA4D8AAAAAAADgPwAAAAAAAOA/AAAAAAAA4D8AAAAAAADgPwAAAAAAAOA/AAAAAAAA4D8CAAAAjAAAAAAAAAAAAAAAu+DjDP///wgAAAAAAAAAAAAAAAAAAAAAAAAAAAAAAAAAAAAAZAAAAAEAAABAAAAAAAAAAAAAAAAAAAAAAAAAAAAAAAAAAAAAAAAAAAAAAAAAAAAAAAAAAAAAAAAAAAAAAAAAAAAAAAAAAAAAAAAAAAAAAAAAAAAAAAAAAAAAAAAAAAAAFAAAADwAAAABAAAAAAAAAB4eHgB4AAAAAQAAAAYAAAAAAAAAAAAAAAAAAAAAAAAAZAAAAGQAAAAAAAAAZAAAAGQAAAAVAAAAYAAAAAAAAAAAAAAADwAAACADAAAAAAAAAAAAAAEAAACgMgAAAAAAAAAAAAABAAAAf39/AAEAAABkAAAAAAAAABQAAABAHwAAAAAAACYAAAAAAAAAwOD//wAAAAAmAAAAZAAAABYAAABMAAAAAAAAAAAAAAAEAAAAAAAAAAEAAACAgIAKAAAAACgAAAAoAAAAZAAAAGQAAAAAAAAAzMzMAAAAAABQAAAAUAAAAGQAAABkAAAAAAAAABcAAAAUAAAAAAAAAAAAAAD/fwAA/38AAAAAAAAJAAAABAAAAAAAAAAMAAAAEAAAAAAAAAAAAAAAAAAAAAAAAAAeAAAAaAAAAAAAAAAAAAAAAAAAAAAAAAAAAAAAECcAABAnAAAAAAAAAAAAAAAAAAAAAAAAAAAAAAAAAAAAAAAAPAAAABQAAAAoAAAAHh4eAAAAAABkAAAAMgAAAAAAAABkAAAAAAAAAH9/fwAKAAAAHwAAAFQAAAC74OMF////AQAAAAAAAAAAAAAAAAAAAAAAAAAAAAAAAAAAAAAAAAAAHh4eAH9/fwCAgIADzMzMAB4eHgB/f38AAAAAAAAAAAAAAAAAAAAAAAAAAAAhAAAAGAAAABQAAADMGQAAZRwAAKceAABAIQAAEAAAACYAAAAIAAAA//////////8="/>
+                <pr:smNativeData xmlns:pr="smNativeData" val="SMDATA_13_IrKAXRMAAAAlAAAAZAAAAA8BAAAAkAAAAEgAAACQAAAASAAAAAAAAAAAAAAAAAAAAAEAAABQAAAAAAAAAAAA4D8AAAAAAADgPwAAAAAAAOA/AAAAAAAA4D8AAAAAAADgPwAAAAAAAOA/AAAAAAAA4D8AAAAAAADgPwAAAAAAAOA/AAAAAAAA4D8CAAAAjAAAAAAAAAAAAAAAu+DjDP///wgAAAAAAAAAAAAAAAAAAAAAAAAAAAAAAAAAAAAAZAAAAAEAAABAAAAAAAAAAAAAAAAAAAAAAAAAAAAAAAAAAAAAAAAAAAAAAAAAAAAAAAAAAAAAAAAAAAAAAAAAAAAAAAAAAAAAAAAAAAAAAAAAAAAAAAAAAAAAAAAAAAAAFAAAADwAAAABAAAAAAAAAB4eHgB4AAAAAQAAAAYAAAAAAAAAAAAAAAAAAAAAAAAAZAAAAGQAAAAAAAAAZAAAAGQAAAAVAAAAYAAAAAAAAAAAAAAADwAAACADAAAAAAAAAAAAAAEAAACgMgAAAAAAAAAAAAABAAAAf39/AAEAAABkAAAAAAAAABQAAABAHwAAAAAAACYAAAAAAAAAwOD//wAAAAAmAAAAZAAAABYAAABMAAAAAAAAAAAAAAAEAAAAAAAAAAEAAACAgIAKAAAAACgAAAAoAAAAZAAAAGQAAAAAAAAAzMzMAAAAAABQAAAAUAAAAGQAAABkAAAAAAAAABcAAAAUAAAAAAAAAAAAAAD/fwAA/38AAAAAAAAJAAAABAAAAAAAAAAMAAAAEAAAAAAAAAAAAAAAAAAAAAAAAAAeAAAAaAAAAAAAAAAAAAAAAAAAAAAAAAAAAAAAECcAABAnAAAAAAAAAAAAAAAAAAAAAAAAAAAAAAAAAAAAAAAAPAAAABQAAAAoAAAAHh4eAAAAAABkAAAAMgAAAAAAAABkAAAAAAAAAH9/fwAKAAAAHwAAAFQAAAC74OMF////AQAAAAAAAAAAAAAAAAAAAAAAAAAAAAAAAAAAAAAAAAAAHh4eAH9/fwCAgIADzMzMAB4eHgB/f38AAAAAAAAAAAAAAAAAAAAAAAAAAAAhAAAAGAAAABQAAADMGQAAZRwAAKceAABAIQAAEAAAACYAAAAIAAAA//////////8="/>
               </a:ext>
             </a:extLst>
           </p:cNvSpPr>
@@ -7024,7 +7024,7 @@
           <p:cNvSpPr>
             <a:extLst>
               <a:ext uri="smNativeData">
-                <pr:smNativeData xmlns:pr="smNativeData" val="SMDATA_13_BbpsXRMAAAAlAAAAZAAAAA8BAAAAkAAAAEgAAACQAAAASAAAAAAAAAAAAAAAAAAAAAEAAABQAAAAAAAAAAAA4D8AAAAAAADgPwAAAAAAAOA/AAAAAAAA4D8AAAAAAADgPwAAAAAAAOA/AAAAAAAA4D8AAAAAAADgPwAAAAAAAOA/AAAAAAAA4D8CAAAAjAAAAAAAAAAAAAAAu+DjDP///wgAAAAAAAAAAAAAAAAAAAAAAAAAAAAAAAAAAAAAZAAAAAEAAABAAAAAAAAAAAAAAAAAAAAAAAAAAAAAAAAAAAAAAAAAAAAAAAAAAAAAAAAAAAAAAAAAAAAAAAAAAAAAAAAAAAAAAAAAAAAAAAAAAAAAAAAAAAAAAAAAAAAAFAAAADwAAAABAAAAAAAAAB4eHgB4AAAAAQAAAAYAAAAAAAAAAAAAAAAAAAAAAAAAZAAAAGQAAAAAAAAAZAAAAGQAAAAVAAAAYAAAAAAAAAAAAAAADwAAACADAAAAAAAAAAAAAAEAAACgMgAAAAAAAAAAAAABAAAAf39/AAEAAABkAAAAAAAAABQAAABAHwAAAAAAACYAAAAAAAAAwOD//wAAAAAmAAAAZAAAABYAAABMAAAAAAAAAAAAAAAEAAAAAAAAAAEAAACAgIAKAAAAACgAAAAoAAAAZAAAAGQAAAAAAAAAzMzMAAAAAABQAAAAUAAAAGQAAABkAAAAAAAAABcAAAAUAAAAAAAAAAAAAAD/fwAA/38AAAAAAAAJAAAABAAAAAAAAAAMAAAAEAAAAAAAAAAAAAAAAAAAAAAAAAAeAAAAaAAAAAAAAAAAAAAAAAAAAAAAAAAAAAAAECcAABAnAAAAAAAAAAAAAAAAAAAAAAAAAAAAAAAAAAAAAAAAPAAAABQAAAAoAAAAHh4eAAAAAABkAAAAMgAAAAAAAABkAAAAAAAAAH9/fwAKAAAAHwAAAFQAAAC74OMF////AQAAAAAAAAAAAAAAAAAAAAAAAAAAAAAAAAAAAAAAAAAAHh4eAH9/fwCAgIADzMzMAB4eHgB/f38AAAAAAAAAAAAAAAAAAAAAAAAAAAAhAAAAGAAAABQAAAA3DAAAGCQAABIRAADzKAAAEAAAACYAAAAIAAAA//////////8="/>
+                <pr:smNativeData xmlns:pr="smNativeData" val="SMDATA_13_IrKAXRMAAAAlAAAAZAAAAA8BAAAAkAAAAEgAAACQAAAASAAAAAAAAAAAAAAAAAAAAAEAAABQAAAAAAAAAAAA4D8AAAAAAADgPwAAAAAAAOA/AAAAAAAA4D8AAAAAAADgPwAAAAAAAOA/AAAAAAAA4D8AAAAAAADgPwAAAAAAAOA/AAAAAAAA4D8CAAAAjAAAAAAAAAAAAAAAu+DjDP///wgAAAAAAAAAAAAAAAAAAAAAAAAAAAAAAAAAAAAAZAAAAAEAAABAAAAAAAAAAAAAAAAAAAAAAAAAAAAAAAAAAAAAAAAAAAAAAAAAAAAAAAAAAAAAAAAAAAAAAAAAAAAAAAAAAAAAAAAAAAAAAAAAAAAAAAAAAAAAAAAAAAAAFAAAADwAAAABAAAAAAAAAB4eHgB4AAAAAQAAAAYAAAAAAAAAAAAAAAAAAAAAAAAAZAAAAGQAAAAAAAAAZAAAAGQAAAAVAAAAYAAAAAAAAAAAAAAADwAAACADAAAAAAAAAAAAAAEAAACgMgAAAAAAAAAAAAABAAAAf39/AAEAAABkAAAAAAAAABQAAABAHwAAAAAAACYAAAAAAAAAwOD//wAAAAAmAAAAZAAAABYAAABMAAAAAAAAAAAAAAAEAAAAAAAAAAEAAACAgIAKAAAAACgAAAAoAAAAZAAAAGQAAAAAAAAAzMzMAAAAAABQAAAAUAAAAGQAAABkAAAAAAAAABcAAAAUAAAAAAAAAAAAAAD/fwAA/38AAAAAAAAJAAAABAAAAAAAAAAMAAAAEAAAAAAAAAAAAAAAAAAAAAAAAAAeAAAAaAAAAAAAAAAAAAAAAAAAAAAAAAAAAAAAECcAABAnAAAAAAAAAAAAAAAAAAAAAAAAAAAAAAAAAAAAAAAAPAAAABQAAAAoAAAAHh4eAAAAAABkAAAAMgAAAAAAAABkAAAAAAAAAH9/fwAKAAAAHwAAAFQAAAC74OMF////AQAAAAAAAAAAAAAAAAAAAAAAAAAAAAAAAAAAAAAAAAAAHh4eAH9/fwCAgIADzMzMAB4eHgB/f38AAAAAAAAAAAAAAAAAAAAAAAAAAAAhAAAAGAAAABQAAAA3DAAAGCQAABIRAADzKAAAEAAAACYAAAAIAAAA//////////8="/>
               </a:ext>
             </a:extLst>
           </p:cNvSpPr>
@@ -7063,7 +7063,7 @@
           <p:cNvSpPr>
             <a:extLst>
               <a:ext uri="smNativeData">
-                <pr:smNativeData xmlns:pr="smNativeData" val="SMDATA_13_BbpsXRMAAAAlAAAAZAAAAA8BAAAAkAAAAEgAAACQAAAASAAAAAAAAAAAAAAAAAAAAAEAAABQAAAAAAAAAAAA4D8AAAAAAADgPwAAAAAAAOA/AAAAAAAA4D8AAAAAAADgPwAAAAAAAOA/AAAAAAAA4D8AAAAAAADgPwAAAAAAAOA/AAAAAAAA4D8CAAAAjAAAAAAAAAAAAAAAu+DjDP///wgAAAAAAAAAAAAAAAAAAAAAAAAAAAAAAAAAAAAAZAAAAAEAAABAAAAAAAAAAAAAAAAAAAAAAAAAAAAAAAAAAAAAAAAAAAAAAAAAAAAAAAAAAAAAAAAAAAAAAAAAAAAAAAAAAAAAAAAAAAAAAAAAAAAAAAAAAAAAAAAAAAAAFAAAADwAAAABAAAAAAAAAOokQgB4AAAAAQAAAAYAAAAAAAAAAAAAAAAAAAAAAAAAZAAAAGQAAAAAAAAAZAAAAGQAAAAVAAAAYAAAAAAAAAAAAAAADwAAACADAAAAAAAAAAAAAAEAAACgMgAAAAAAAAAAAAABAAAAf39/AAEAAABkAAAAAAAAABQAAABAHwAAAAAAACYAAAAAAAAAwOD//wAAAAAmAAAAZAAAABYAAABMAAAAAAAAAAAAAAAEAAAAAAAAAAEAAACAgIAKAAAAACgAAAAoAAAAZAAAAGQAAAAAAAAAzMzMAAAAAABQAAAAUAAAAGQAAABkAAAAAAAAABcAAAAUAAAAAAAAAAAAAAD/fwAA/38AAAAAAAAJAAAABAAAAAAAAAAMAAAAEAAAAAAAAAAAAAAAAAAAAAAAAAAeAAAAaAAAAAAAAAAAAAAAAAAAAAAAAAAAAAAAECcAABAnAAAAAAAAAAAAAAAAAAAAAAAAAAAAAAAAAAAAAAAAPAAAABQAAAAoAAAA6iRCAAAAAABkAAAAMgAAAAAAAABkAAAAAAAAAH9/fwAKAAAAHwAAAFQAAAC74OMF////AQAAAAAAAAAAAAAAAAAAAAAAAAAAAAAAAAAAAAAAAAAA6iRCAH9/fwCAgIADzMzMAOokQgB/f38AAAAAAAAAAAAAAAAAAAAAAAAAAAAhAAAAGAAAABQAAABYDAAAZRwAADMRAABAIQAAEAAAACYAAAAIAAAA//////////8="/>
+                <pr:smNativeData xmlns:pr="smNativeData" val="SMDATA_13_IrKAXRMAAAAlAAAAZAAAAA8BAAAAkAAAAEgAAACQAAAASAAAAAAAAAAAAAAAAAAAAAEAAABQAAAAAAAAAAAA4D8AAAAAAADgPwAAAAAAAOA/AAAAAAAA4D8AAAAAAADgPwAAAAAAAOA/AAAAAAAA4D8AAAAAAADgPwAAAAAAAOA/AAAAAAAA4D8CAAAAjAAAAAAAAAAAAAAAu+DjDP///wgAAAAAAAAAAAAAAAAAAAAAAAAAAAAAAAAAAAAAZAAAAAEAAABAAAAAAAAAAAAAAAAAAAAAAAAAAAAAAAAAAAAAAAAAAAAAAAAAAAAAAAAAAAAAAAAAAAAAAAAAAAAAAAAAAAAAAAAAAAAAAAAAAAAAAAAAAAAAAAAAAAAAFAAAADwAAAABAAAAAAAAAOokQgB4AAAAAQAAAAYAAAAAAAAAAAAAAAAAAAAAAAAAZAAAAGQAAAAAAAAAZAAAAGQAAAAVAAAAYAAAAAAAAAAAAAAADwAAACADAAAAAAAAAAAAAAEAAACgMgAAAAAAAAAAAAABAAAAf39/AAEAAABkAAAAAAAAABQAAABAHwAAAAAAACYAAAAAAAAAwOD//wAAAAAmAAAAZAAAABYAAABMAAAAAAAAAAAAAAAEAAAAAAAAAAEAAACAgIAKAAAAACgAAAAoAAAAZAAAAGQAAAAAAAAAzMzMAAAAAABQAAAAUAAAAGQAAABkAAAAAAAAABcAAAAUAAAAAAAAAAAAAAD/fwAA/38AAAAAAAAJAAAABAAAAAAAAAAMAAAAEAAAAAAAAAAAAAAAAAAAAAAAAAAeAAAAaAAAAAAAAAAAAAAAAAAAAAAAAAAAAAAAECcAABAnAAAAAAAAAAAAAAAAAAAAAAAAAAAAAAAAAAAAAAAAPAAAABQAAAAoAAAA6iRCAAAAAABkAAAAMgAAAAAAAABkAAAAAAAAAH9/fwAKAAAAHwAAAFQAAAC74OMF////AQAAAAAAAAAAAAAAAAAAAAAAAAAAAAAAAAAAAAAAAAAA6iRCAH9/fwCAgIADzMzMAOokQgB/f38AAAAAAAAAAAAAAAAAAAAAAAAAAAAhAAAAGAAAABQAAABYDAAAZRwAADMRAABAIQAAEAAAACYAAAAIAAAA//////////8="/>
               </a:ext>
             </a:extLst>
           </p:cNvSpPr>
@@ -7102,7 +7102,7 @@
           <p:cNvSpPr>
             <a:extLst>
               <a:ext uri="smNativeData">
-                <pr:smNativeData xmlns:pr="smNativeData" val="SMDATA_13_BbpsXRMAAAAlAAAAZAAAAA8BAAAAkAAAAEgAAACQAAAASAAAAAAAAAAAAAAAAAAAAAEAAABQAAAAAAAAAAAA4D8AAAAAAADgPwAAAAAAAOA/AAAAAAAA4D8AAAAAAADgPwAAAAAAAOA/AAAAAAAA4D8AAAAAAADgPwAAAAAAAOA/AAAAAAAA4D8CAAAAjAAAAAAAAAAAAAAAu+DjDP///wgAAAAAAAAAAAAAAAAAAAAAAAAAAAAAAAAAAAAAZAAAAAEAAABAAAAAAAAAAAAAAAAAAAAAAAAAAAAAAAAAAAAAAAAAAAAAAAAAAAAAAAAAAAAAAAAAAAAAAAAAAAAAAAAAAAAAAAAAAAAAAAAAAAAAAAAAAAAAAAAAAAAAFAAAADwAAAABAAAAAAAAAB4eHgB4AAAAAQAAAAYAAAAAAAAAAAAAAAAAAAAAAAAAZAAAAGQAAAAAAAAAZAAAAGQAAAAVAAAAYAAAAAAAAAAAAAAADwAAACADAAAAAAAAAAAAAAEAAACgMgAAAAAAAAAAAAABAAAAf39/AAEAAABkAAAAAAAAABQAAABAHwAAAAAAACYAAAAAAAAAwOD//wAAAAAmAAAAZAAAABYAAABMAAAAAAAAAAAAAAAEAAAAAAAAAAEAAACAgIAKAAAAACgAAAAoAAAAZAAAAGQAAAAAAAAAzMzMAAAAAABQAAAAUAAAAGQAAABkAAAAAAAAABcAAAAUAAAAAAAAAAAAAAD/fwAA/38AAAAAAAAJAAAABAAAAAAAAAAMAAAAEAAAAAAAAAAAAAAAAAAAAAAAAAAeAAAAaAAAAAAAAAAAAAAAAAAAAAAAAAAAAAAAECcAABAnAAAAAAAAAAAAAAAAAAAAAAAAAAAAAAAAAAAAAAAAPAAAABQAAAAoAAAAHh4eAAAAAABkAAAAMgAAAAAAAABkAAAAAAAAAH9/fwAKAAAAHwAAAFQAAAC74OMF////AQAAAAAAAAAAAAAAAAAAAAAAAAAAAAAAAAAAAAAAAAAAHh4eAH9/fwCAgIADzMzMAB4eHgB/f38AAAAAAAAAAAAAAAAAAAAAAAAAAAAhAAAAGAAAABQAAABcDAAApRQAADcRAACAGQAAEAAAACYAAAAIAAAA//////////8="/>
+                <pr:smNativeData xmlns:pr="smNativeData" val="SMDATA_13_IrKAXRMAAAAlAAAAZAAAAA8BAAAAkAAAAEgAAACQAAAASAAAAAAAAAAAAAAAAAAAAAEAAABQAAAAAAAAAAAA4D8AAAAAAADgPwAAAAAAAOA/AAAAAAAA4D8AAAAAAADgPwAAAAAAAOA/AAAAAAAA4D8AAAAAAADgPwAAAAAAAOA/AAAAAAAA4D8CAAAAjAAAAAAAAAAAAAAAu+DjDP///wgAAAAAAAAAAAAAAAAAAAAAAAAAAAAAAAAAAAAAZAAAAAEAAABAAAAAAAAAAAAAAAAAAAAAAAAAAAAAAAAAAAAAAAAAAAAAAAAAAAAAAAAAAAAAAAAAAAAAAAAAAAAAAAAAAAAAAAAAAAAAAAAAAAAAAAAAAAAAAAAAAAAAFAAAADwAAAABAAAAAAAAAB4eHgB4AAAAAQAAAAYAAAAAAAAAAAAAAAAAAAAAAAAAZAAAAGQAAAAAAAAAZAAAAGQAAAAVAAAAYAAAAAAAAAAAAAAADwAAACADAAAAAAAAAAAAAAEAAACgMgAAAAAAAAAAAAABAAAAf39/AAEAAABkAAAAAAAAABQAAABAHwAAAAAAACYAAAAAAAAAwOD//wAAAAAmAAAAZAAAABYAAABMAAAAAAAAAAAAAAAEAAAAAAAAAAEAAACAgIAKAAAAACgAAAAoAAAAZAAAAGQAAAAAAAAAzMzMAAAAAABQAAAAUAAAAGQAAABkAAAAAAAAABcAAAAUAAAAAAAAAAAAAAD/fwAA/38AAAAAAAAJAAAABAAAAAAAAAAMAAAAEAAAAAAAAAAAAAAAAAAAAAAAAAAeAAAAaAAAAAAAAAAAAAAAAAAAAAAAAAAAAAAAECcAABAnAAAAAAAAAAAAAAAAAAAAAAAAAAAAAAAAAAAAAAAAPAAAABQAAAAoAAAAHh4eAAAAAABkAAAAMgAAAAAAAABkAAAAAAAAAH9/fwAKAAAAHwAAAFQAAAC74OMF////AQAAAAAAAAAAAAAAAAAAAAAAAAAAAAAAAAAAAAAAAAAAHh4eAH9/fwCAgIADzMzMAB4eHgB/f38AAAAAAAAAAAAAAAAAAAAAAAAAAAAhAAAAGAAAABQAAABcDAAApRQAADcRAACAGQAAEAAAACYAAAAIAAAA//////////8="/>
               </a:ext>
             </a:extLst>
           </p:cNvSpPr>
@@ -7141,7 +7141,7 @@
           <p:cNvSpPr>
             <a:extLst>
               <a:ext uri="smNativeData">
-                <pr:smNativeData xmlns:pr="smNativeData" val="SMDATA_13_BbpsXRMAAAAlAAAAZAAAAA8BAAAAkAAAAEgAAACQAAAASAAAAAAAAAAAAAAAAAAAAAEAAABQAAAAAAAAAAAA4D8AAAAAAADgPwAAAAAAAOA/AAAAAAAA4D8AAAAAAADgPwAAAAAAAOA/AAAAAAAA4D8AAAAAAADgPwAAAAAAAOA/AAAAAAAA4D8CAAAAjAAAAAAAAAAAAAAAu+DjDP///wgAAAAAAAAAAAAAAAAAAAAAAAAAAAAAAAAAAAAAZAAAAAEAAABAAAAAAAAAAAAAAAAAAAAAAAAAAAAAAAAAAAAAAAAAAAAAAAAAAAAAAAAAAAAAAAAAAAAAAAAAAAAAAAAAAAAAAAAAAAAAAAAAAAAAAAAAAAAAAAAAAAAAFAAAADwAAAABAAAAAAAAAO9gCgA8AAAAAQAAAAMAAAAAAAAAAAAAAAAAAAAAAAAAZAAAAGQAAAAAAAAAZAAAAGQAAAAVAAAAYAAAAAAAAAAAAAAADwAAACADAAAAAAAAAAAAAAEAAACgMgAAAAAAAAAAAAABAAAAf39/AAEAAABkAAAAAAAAABQAAABAHwAAAAAAACYAAAAAAAAAwOD//wAAAAAmAAAAZAAAABYAAABMAAAAAAAAAAAAAAAEAAAAAAAAAAEAAACAgIAKAAAAACgAAAAoAAAAZAAAAGQAAAAAAAAAzMzMAAAAAABQAAAAUAAAAGQAAABkAAAAAAAAABcAAAAUAAAAAAAAAAAAAAD/fwAA/38AAAAAAAAJAAAABAAAAAAAAAAMAAAAEAAAAAAAAAAAAAAAAAAAAAAAAAAeAAAAaAAAAAAAAAAAAAAAAAAAAAAAAAAAAAAAECcAABAnAAAAAAAAAAAAAAAAAAAAAAAAAAAAAAAAAAAAAAAAPAAAABQAAAAoAAAAHH0cAAAAAABkAAAAMgAAAAAAAABkAAAAAAAAAH9/fwAKAAAAHwAAAFQAAAC74OMF////AQAAAAAAAAAAAAAAAAAAAAAAAAAAAAAAAAAAAAAAAAAA72AKAH9/fwCAgIADzMzMABx9HAB/f38AAAAAAAAAAAAAAAAAAAAAAAAAAAAhAAAAGAAAABQAAAAnCgAAUhMAAGwTAABUIgAAEAAAACYAAAAIAAAA//////////8="/>
+                <pr:smNativeData xmlns:pr="smNativeData" val="SMDATA_13_IrKAXRMAAAAlAAAAZAAAAA8BAAAAkAAAAEgAAACQAAAASAAAAAAAAAAAAAAAAAAAAAEAAABQAAAAAAAAAAAA4D8AAAAAAADgPwAAAAAAAOA/AAAAAAAA4D8AAAAAAADgPwAAAAAAAOA/AAAAAAAA4D8AAAAAAADgPwAAAAAAAOA/AAAAAAAA4D8CAAAAjAAAAAAAAAAAAAAAu+DjDP///wgAAAAAAAAAAAAAAAAAAAAAAAAAAAAAAAAAAAAAZAAAAAEAAABAAAAAAAAAAAAAAAAAAAAAAAAAAAAAAAAAAAAAAAAAAAAAAAAAAAAAAAAAAAAAAAAAAAAAAAAAAAAAAAAAAAAAAAAAAAAAAAAAAAAAAAAAAAAAAAAAAAAAFAAAADwAAAABAAAAAAAAAO9gCgA8AAAAAQAAAAMAAAAAAAAAAAAAAAAAAAAAAAAAZAAAAGQAAAAAAAAAZAAAAGQAAAAVAAAAYAAAAAAAAAAAAAAADwAAACADAAAAAAAAAAAAAAEAAACgMgAAAAAAAAAAAAABAAAAf39/AAEAAABkAAAAAAAAABQAAABAHwAAAAAAACYAAAAAAAAAwOD//wAAAAAmAAAAZAAAABYAAABMAAAAAAAAAAAAAAAEAAAAAAAAAAEAAACAgIAKAAAAACgAAAAoAAAAZAAAAGQAAAAAAAAAzMzMAAAAAABQAAAAUAAAAGQAAABkAAAAAAAAABcAAAAUAAAAAAAAAAAAAAD/fwAA/38AAAAAAAAJAAAABAAAAAAAAAAMAAAAEAAAAAAAAAAAAAAAAAAAAAAAAAAeAAAAaAAAAAAAAAAAAAAAAAAAAAAAAAAAAAAAECcAABAnAAAAAAAAAAAAAAAAAAAAAAAAAAAAAAAAAAAAAAAAPAAAABQAAAAoAAAAHH0cAAAAAABkAAAAMgAAAAAAAABkAAAAAAAAAH9/fwAKAAAAHwAAAFQAAAC74OMF////AQAAAAAAAAAAAAAAAAAAAAAAAAAAAAAAAAAAAAAAAAAA72AKAH9/fwCAgIADzMzMABx9HAB/f38AAAAAAAAAAAAAAAAAAAAAAAAAAAAhAAAAGAAAABQAAAAnCgAAUhMAAGwTAABUIgAAEAAAACYAAAAIAAAA//////////8="/>
               </a:ext>
             </a:extLst>
           </p:cNvSpPr>
@@ -7180,7 +7180,7 @@
           <p:cNvSpPr txBox="1">
             <a:extLst>
               <a:ext uri="smNativeData">
-                <pr:smNativeData xmlns:pr="smNativeData" val="SMDATA_13_BbpsXRMAAAAlAAAAEgAAAE8BAAAAkAAAAEgAAACQAAAASAAAAAAAAAAAAAAAAAAAAAEAAABQAAAAAAAAAAAA4D8AAAAAAADgPwAAAAAAAOA/AAAAAAAA4D8AAAAAAADgPwAAAAAAAOA/AAAAAAAA4D8AAAAAAADgPwAAAAAAAOA/AAAAAAAA4D8CAAAAjAAAAAAAAAAAAAAAu+DjDP///wgAAAAAAAAAAAAAAAAAAAAAAAAAAAAAAAAAAAAAZAAAAAEAAABAAAAAAAAAAAAAAAAAAAAAAAAAAAAAAAAAAAAAAAAAAAAAAAAAAAAAAAAAAAAAAAAAAAAAAAAAAAAAAAAAAAAAAAAAAAAAAAAAAAAAAAAAAAAAAAAAAAAAFAAAADwAAAAAAAAAAAAAAAAAAAkUAAAAAQAAABQAAAAUAAAAFAAAAAEAAAAAAAAAZAAAAGQAAAAAAAAAZAAAAGQAAAAVAAAAYAAAAAAAAAAAAAAADwAAACADAAAAAAAAAAAAAAEAAACgMgAAVgcAAKr4//8BAAAAf39/AAEAAABkAAAAAAAAABQAAABAHwAAAAAAACYAAAAAAAAAwOD//wAAAAAmAAAAZAAAABYAAABMAAAAAAAAAAAAAAAEAAAAAAAAAAEAAACAgIAKAAAAACgAAAAoAAAAZAAAAGQAAAAAAAAAzMzMAAAAAABQAAAAUAAAAGQAAABkAAAAAAAAABcAAAAUAAAAAAAAANwIAAD/fwAA/38AAAAAAAAJAAAABAAAAAAAAAAMAAAAEAAAAAAAAAAAAAAAAAAAAAAAAAAeAAAAaAAAAAAAAAAAAAAAAAAAAAAAAAAAAAAAECcAABAnAAAAAAAAAAAAAAAAAAAAAAAAAAAAAAAAAAAAAAAAAAAAABQAAAAAAAAAwMD/AAAAAABkAAAAMgAAAAAAAABkAAAAAAAAAH9/fwAKAAAAHwAAAFQAAAC74OMF////AQAAAAAAAAAAAAAAAAAAAAAAAAAAAAAAAAAAAAAAAAAAAAAAAn9/fwCAgIADzMzMAMDA/wB/f38AAAAAAAAAAAAAAAAAAAAAAAAAAAAhAAAAGAAAABQAAAADGgAA5woAAHUeAAB3DgAAECAAACYAAAAIAAAA//////////8="/>
+                <pr:smNativeData xmlns:pr="smNativeData" val="SMDATA_13_IrKAXRMAAAAlAAAAEgAAAE8BAAAAkAAAAEgAAACQAAAASAAAAAAAAAAAAAAAAAAAAAEAAABQAAAAAAAAAAAA4D8AAAAAAADgPwAAAAAAAOA/AAAAAAAA4D8AAAAAAADgPwAAAAAAAOA/AAAAAAAA4D8AAAAAAADgPwAAAAAAAOA/AAAAAAAA4D8CAAAAjAAAAAAAAAAAAAAAu+DjDP///wgAAAAAAAAAAAAAAAAAAAAAAAAAAAAAAAAAAAAAZAAAAAEAAABAAAAAAAAAAAAAAAAAAAAAAAAAAAAAAAAAAAAAAAAAAAAAAAAAAAAAAAAAAAAAAAAAAAAAAAAAAAAAAAAAAAAAAAAAAAAAAAAAAAAAAAAAAAAAAAAAAAAAFAAAADwAAAAAAAAAAAAAAAAAAAkUAAAAAQAAABQAAAAUAAAAFAAAAAEAAAAAAAAAZAAAAGQAAAAAAAAAZAAAAGQAAAAVAAAAYAAAAAAAAAAAAAAADwAAACADAAAAAAAAAAAAAAEAAACgMgAAVgcAAKr4//8BAAAAf39/AAEAAABkAAAAAAAAABQAAABAHwAAAAAAACYAAAAAAAAAwOD//wAAAAAmAAAAZAAAABYAAABMAAAAAAAAAAAAAAAEAAAAAAAAAAEAAACAgIAKAAAAACgAAAAoAAAAZAAAAGQAAAAAAAAAzMzMAAAAAABQAAAAUAAAAGQAAABkAAAAAAAAABcAAAAUAAAAAAAAANwIAAD/fwAA/38AAAAAAAAJAAAABAAAAAAAAAAMAAAAEAAAAAAAAAAAAAAAAAAAAAAAAAAeAAAAaAAAAAAAAAAAAAAAAAAAAAAAAAAAAAAAECcAABAnAAAAAAAAAAAAAAAAAAAAAAAAAAAAAAAAAAAAAAAAAAAAABQAAAAAAAAAwMD/AAAAAABkAAAAMgAAAAAAAABkAAAAAAAAAH9/fwAKAAAAHwAAAFQAAAC74OMF////AQAAAAAAAAAAAAAAAAAAAAAAAAAAAAAAAAAAAAAAAAAAAAAAAn9/fwCAgIADzMzMAMDA/wB/f38AAAAAAAAAAAAAAAAAAAAAAAAAAAAhAAAAGAAAABQAAAADGgAA5woAAHUeAAB3DgAAECAAACYAAAAIAAAA//////////8="/>
               </a:ext>
             </a:extLst>
           </p:cNvSpPr>
@@ -7243,7 +7243,7 @@
           <p:cNvSpPr txBox="1">
             <a:extLst>
               <a:ext uri="smNativeData">
-                <pr:smNativeData xmlns:pr="smNativeData" val="SMDATA_13_BbpsXRMAAAAlAAAAEgAAAE8BAAAAkAAAAEgAAACQAAAASAAAAAAAAAAAAAAAAAAAAAEAAABQAAAAAAAAAAAA4D8AAAAAAADgPwAAAAAAAOA/AAAAAAAA4D8AAAAAAADgPwAAAAAAAOA/AAAAAAAA4D8AAAAAAADgPwAAAAAAAOA/AAAAAAAA4D8CAAAAjAAAAAAAAAAAAAAAu+DjDP///wgAAAAAAAAAAAAAAAAAAAAAAAAAAAAAAAAAAAAAZAAAAAEAAABAAAAAAAAAAAAAAAAAAAAAAAAAAAAAAAAAAAAAAAAAAAAAAAAAAAAAAAAAAAAAAAAAAAAAAAAAAAAAAAAAAAAAAAAAAAAAAAAAAAAAAAAAAAAAAAAAAAAAFAAAADwAAAAAAAAAAAAAAAAAAAkUAAAAAQAAABQAAAAUAAAAFAAAAAEAAAAAAAAAZAAAAGQAAAAAAAAAZAAAAGQAAAAVAAAAYAAAAAAAAAAAAAAADwAAACADAAAAAAAAAAAAAAEAAACgMgAAVgcAAKr4//8BAAAAf39/AAEAAABkAAAAAAAAABQAAABAHwAAAAAAACYAAAAAAAAAwOD//wAAAAAmAAAAZAAAABYAAABMAAAAAAAAAAAAAAAEAAAAAAAAAAEAAACAgIAKAAAAACgAAAAoAAAAZAAAAGQAAAAAAAAAzMzMAAAAAABQAAAAUAAAAGQAAABkAAAAAAAAABcAAAAUAAAAAAAAANwIAAD/fwAA/38AAAAAAAAJAAAABAAAAAAAAAAMAAAAEAAAAAAAAAAAAAAAAAAAAAAAAAAeAAAAaAAAAAAAAAAAAAAAAAAAAAAAAAAAAAAAECcAABAnAAAAAAAAAAAAAAAAAAAAAAAAAAAAAAAAAAAAAAAAAAAAABQAAAAAAAAAwMD/AAAAAABkAAAAMgAAAAAAAABkAAAAAAAAAH9/fwAKAAAAHwAAAFQAAAC74OMF////AQAAAAAAAAAAAAAAAAAAAAAAAAAAAAAAAAAAAAAAAAAAAAAAAn9/fwCAgIADzMzMAMDA/wB/f38AAAAAAAAAAAAAAAAAAAAAAAAAAAAhAAAAGAAAABQAAAB6CwAADhUAABkSAADeFwAAECAAACYAAAAIAAAA//////////8="/>
+                <pr:smNativeData xmlns:pr="smNativeData" val="SMDATA_13_IrKAXRMAAAAlAAAAEgAAAE8BAAAAkAAAAEgAAACQAAAASAAAAAAAAAAAAAAAAAAAAAEAAABQAAAAAAAAAAAA4D8AAAAAAADgPwAAAAAAAOA/AAAAAAAA4D8AAAAAAADgPwAAAAAAAOA/AAAAAAAA4D8AAAAAAADgPwAAAAAAAOA/AAAAAAAA4D8CAAAAjAAAAAAAAAAAAAAAu+DjDP///wgAAAAAAAAAAAAAAAAAAAAAAAAAAAAAAAAAAAAAZAAAAAEAAABAAAAAAAAAAAAAAAAAAAAAAAAAAAAAAAAAAAAAAAAAAAAAAAAAAAAAAAAAAAAAAAAAAAAAAAAAAAAAAAAAAAAAAAAAAAAAAAAAAAAAAAAAAAAAAAAAAAAAFAAAADwAAAAAAAAAAAAAAAAAAAkUAAAAAQAAABQAAAAUAAAAFAAAAAEAAAAAAAAAZAAAAGQAAAAAAAAAZAAAAGQAAAAVAAAAYAAAAAAAAAAAAAAADwAAACADAAAAAAAAAAAAAAEAAACgMgAAVgcAAKr4//8BAAAAf39/AAEAAABkAAAAAAAAABQAAABAHwAAAAAAACYAAAAAAAAAwOD//wAAAAAmAAAAZAAAABYAAABMAAAAAAAAAAAAAAAEAAAAAAAAAAEAAACAgIAKAAAAACgAAAAoAAAAZAAAAGQAAAAAAAAAzMzMAAAAAABQAAAAUAAAAGQAAABkAAAAAAAAABcAAAAUAAAAAAAAANwIAAD/fwAA/38AAAAAAAAJAAAABAAAAAAAAAAMAAAAEAAAAAAAAAAAAAAAAAAAAAAAAAAeAAAAaAAAAAAAAAAAAAAAAAAAAAAAAAAAAAAAECcAABAnAAAAAAAAAAAAAAAAAAAAAAAAAAAAAAAAAAAAAAAAAAAAABQAAAAAAAAAwMD/AAAAAABkAAAAMgAAAAAAAABkAAAAAAAAAH9/fwAKAAAAHwAAAFQAAAC74OMF////AQAAAAAAAAAAAAAAAAAAAAAAAAAAAAAAAAAAAAAAAAAAAAAAAn9/fwCAgIADzMzMAMDA/wB/f38AAAAAAAAAAAAAAAAAAAAAAAAAAAAhAAAAGAAAABQAAAB6CwAADhUAABkSAADeFwAAECAAACYAAAAIAAAA//////////8="/>
               </a:ext>
             </a:extLst>
           </p:cNvSpPr>
@@ -7304,7 +7304,7 @@
           <p:cNvSpPr txBox="1">
             <a:extLst>
               <a:ext uri="smNativeData">
-                <pr:smNativeData xmlns:pr="smNativeData" val="SMDATA_13_BbpsXRMAAAAlAAAAEgAAAE8BAAAAkAAAAEgAAACQAAAASAAAAAAAAAAAAAAAAAAAAAEAAABQAAAAAAAAAAAA4D8AAAAAAADgPwAAAAAAAOA/AAAAAAAA4D8AAAAAAADgPwAAAAAAAOA/AAAAAAAA4D8AAAAAAADgPwAAAAAAAOA/AAAAAAAA4D8CAAAAjAAAAAAAAAAAAAAAu+DjDP///wgAAAAAAAAAAAAAAAAAAAAAAAAAAAAAAAAAAAAAZAAAAAEAAABAAAAAAAAAAAAAAAAAAAAAAAAAAAAAAAAAAAAAAAAAAAAAAAAAAAAAAAAAAAAAAAAAAAAAAAAAAAAAAAAAAAAAAAAAAAAAAAAAAAAAAAAAAAAAAAAAAAAAFAAAADwAAAAAAAAAAAAAAAAAAAkUAAAAAQAAABQAAAAUAAAAFAAAAAEAAAAAAAAAZAAAAGQAAAAAAAAAZAAAAGQAAAAVAAAAYAAAAAAAAAAAAAAADwAAACADAAAAAAAAAAAAAAEAAACgMgAAVgcAAKr4//8BAAAAf39/AAEAAABkAAAAAAAAABQAAABAHwAAAAAAACYAAAAAAAAAwOD//wAAAAAmAAAAZAAAABYAAABMAAAAAAAAAAAAAAAEAAAAAAAAAAEAAACAgIAKAAAAACgAAAAoAAAAZAAAAGQAAAAAAAAAzMzMAAAAAABQAAAAUAAAAGQAAABkAAAAAAAAABcAAAAUAAAAAAAAANwIAAD/fwAA/38AAAAAAAAJAAAABAAAAAAAAAAMAAAAEAAAAAAAAAAAAAAAAAAAAAAAAAAeAAAAaAAAAAAAAAAAAAAAAAAAAAAAAAAAAAAAECcAABAnAAAAAAAAAAAAAAAAAAAAAAAAAAAAAAAAAAAAAAAAAAAAABQAAAAAAAAAwMD/AAAAAABkAAAAMgAAAAAAAABkAAAAAAAAAH9/fwAKAAAAHwAAAFQAAAC74OMF////AQAAAAAAAAAAAAAAAAAAAAAAAAAAAAAAAAAAAAAAAAAAAAAAAn9/fwCAgIADzMzMAMDA/wB/f38AAAAAAAAAAAAAAAAAAAAAAAAAAAAhAAAAGAAAABQAAACfCwAACB0AAD4SAADYHwAAECAAACYAAAAIAAAA//////////8="/>
+                <pr:smNativeData xmlns:pr="smNativeData" val="SMDATA_13_IrKAXRMAAAAlAAAAEgAAAE8BAAAAkAAAAEgAAACQAAAASAAAAAAAAAAAAAAAAAAAAAEAAABQAAAAAAAAAAAA4D8AAAAAAADgPwAAAAAAAOA/AAAAAAAA4D8AAAAAAADgPwAAAAAAAOA/AAAAAAAA4D8AAAAAAADgPwAAAAAAAOA/AAAAAAAA4D8CAAAAjAAAAAAAAAAAAAAAu+DjDP///wgAAAAAAAAAAAAAAAAAAAAAAAAAAAAAAAAAAAAAZAAAAAEAAABAAAAAAAAAAAAAAAAAAAAAAAAAAAAAAAAAAAAAAAAAAAAAAAAAAAAAAAAAAAAAAAAAAAAAAAAAAAAAAAAAAAAAAAAAAAAAAAAAAAAAAAAAAAAAAAAAAAAAFAAAADwAAAAAAAAAAAAAAAAAAAkUAAAAAQAAABQAAAAUAAAAFAAAAAEAAAAAAAAAZAAAAGQAAAAAAAAAZAAAAGQAAAAVAAAAYAAAAAAAAAAAAAAADwAAACADAAAAAAAAAAAAAAEAAACgMgAAVgcAAKr4//8BAAAAf39/AAEAAABkAAAAAAAAABQAAABAHwAAAAAAACYAAAAAAAAAwOD//wAAAAAmAAAAZAAAABYAAABMAAAAAAAAAAAAAAAEAAAAAAAAAAEAAACAgIAKAAAAACgAAAAoAAAAZAAAAGQAAAAAAAAAzMzMAAAAAABQAAAAUAAAAGQAAABkAAAAAAAAABcAAAAUAAAAAAAAANwIAAD/fwAA/38AAAAAAAAJAAAABAAAAAAAAAAMAAAAEAAAAAAAAAAAAAAAAAAAAAAAAAAeAAAAaAAAAAAAAAAAAAAAAAAAAAAAAAAAAAAAECcAABAnAAAAAAAAAAAAAAAAAAAAAAAAAAAAAAAAAAAAAAAAAAAAABQAAAAAAAAAwMD/AAAAAABkAAAAMgAAAAAAAABkAAAAAAAAAH9/fwAKAAAAHwAAAFQAAAC74OMF////AQAAAAAAAAAAAAAAAAAAAAAAAAAAAAAAAAAAAAAAAAAAAAAAAn9/fwCAgIADzMzMAMDA/wB/f38AAAAAAAAAAAAAAAAAAAAAAAAAAAAhAAAAGAAAABQAAACfCwAACB0AAD4SAADYHwAAECAAACYAAAAIAAAA//////////8="/>
               </a:ext>
             </a:extLst>
           </p:cNvSpPr>
@@ -7365,7 +7365,7 @@
           <p:cNvSpPr txBox="1">
             <a:extLst>
               <a:ext uri="smNativeData">
-                <pr:smNativeData xmlns:pr="smNativeData" val="SMDATA_13_BbpsXRMAAAAlAAAAEgAAAE8BAAAAkAAAAEgAAACQAAAASAAAAAAAAAAAAAAAAAAAAAEAAABQAAAAAAAAAAAA4D8AAAAAAADgPwAAAAAAAOA/AAAAAAAA4D8AAAAAAADgPwAAAAAAAOA/AAAAAAAA4D8AAAAAAADgPwAAAAAAAOA/AAAAAAAA4D8CAAAAjAAAAAAAAAAAAAAAu+DjDP///wgAAAAAAAAAAAAAAAAAAAAAAAAAAAAAAAAAAAAAZAAAAAEAAABAAAAAAAAAAAAAAAAAAAAAAAAAAAAAAAAAAAAAAAAAAAAAAAAAAAAAAAAAAAAAAAAAAAAAAAAAAAAAAAAAAAAAAAAAAAAAAAAAAAAAAAAAAAAAAAAAAAAAFAAAADwAAAAAAAAAAAAAAAAAAAkUAAAAAQAAABQAAAAUAAAAFAAAAAEAAAAAAAAAZAAAAGQAAAAAAAAAZAAAAGQAAAAVAAAAYAAAAAAAAAAAAAAADwAAACADAAAAAAAAAAAAAAEAAACgMgAAVgcAAKr4//8BAAAAf39/AAEAAABkAAAAAAAAABQAAABAHwAAAAAAACYAAAAAAAAAwOD//wAAAAAmAAAAZAAAABYAAABMAAAAAAAAAAAAAAAEAAAAAAAAAAEAAACAgIAKAAAAACgAAAAoAAAAZAAAAGQAAAAAAAAAzMzMAAAAAABQAAAAUAAAAGQAAABkAAAAAAAAABcAAAAUAAAAAAAAANwIAAD/fwAA/38AAAAAAAAJAAAABAAAAG50PSIMAAAAEAAAAAAAAAAAAAAAAAAAAAAAAAAeAAAAaAAAAAAAAAAAAAAAAAAAAAAAAAAAAAAAECcAABAnAAAAAAAAAAAAAAAAAAAAAAAAAAAAAAAAAAAAAAAAAAAAABQAAAAAAAAAwMD/AAAAAABkAAAAMgAAAAAAAABkAAAAAAAAAH9/fwAKAAAAHwAAAFQAAAC74OMF////AQAAAAAAAAAAAAAAAAAAAAAAAAAAAAAAAAAAAAAAAAAAAAAAAn9/fwCAgIADzMzMAMDA/wB/f38AAAAAAAAAAAAAAAAAAAAAAAAAAAAhAAAAGAAAABQAAAB6CwAA+iQAABkSAACqJgAAECAAACYAAAAIAAAA//////////8="/>
+                <pr:smNativeData xmlns:pr="smNativeData" val="SMDATA_13_IrKAXRMAAAAlAAAAEgAAAE8BAAAAkAAAAEgAAACQAAAASAAAAAAAAAAAAAAAAAAAAAEAAABQAAAAAAAAAAAA4D8AAAAAAADgPwAAAAAAAOA/AAAAAAAA4D8AAAAAAADgPwAAAAAAAOA/AAAAAAAA4D8AAAAAAADgPwAAAAAAAOA/AAAAAAAA4D8CAAAAjAAAAAAAAAAAAAAAu+DjDP///wgAAAAAAAAAAAAAAAAAAAAAAAAAAAAAAAAAAAAAZAAAAAEAAABAAAAAAAAAAAAAAAAAAAAAAAAAAAAAAAAAAAAAAAAAAAAAAAAAAAAAAAAAAAAAAAAAAAAAAAAAAAAAAAAAAAAAAAAAAAAAAAAAAAAAAAAAAAAAAAAAAAAAFAAAADwAAAAAAAAAAAAAAAAAAAkUAAAAAQAAABQAAAAUAAAAFAAAAAEAAAAAAAAAZAAAAGQAAAAAAAAAZAAAAGQAAAAVAAAAYAAAAAAAAAAAAAAADwAAACADAAAAAAAAAAAAAAEAAACgMgAAVgcAAKr4//8BAAAAf39/AAEAAABkAAAAAAAAABQAAABAHwAAAAAAACYAAAAAAAAAwOD//wAAAAAmAAAAZAAAABYAAABMAAAAAAAAAAAAAAAEAAAAAAAAAAEAAACAgIAKAAAAACgAAAAoAAAAZAAAAGQAAAAAAAAAzMzMAAAAAABQAAAAUAAAAGQAAABkAAAAAAAAABcAAAAUAAAAAAAAANwIAAD/fwAA/38AAAAAAAAJAAAABAAAAG50PSIMAAAAEAAAAAAAAAAAAAAAAAAAAAAAAAAeAAAAaAAAAAAAAAAAAAAAAAAAAAAAAAAAAAAAECcAABAnAAAAAAAAAAAAAAAAAAAAAAAAAAAAAAAAAAAAAAAAAAAAABQAAAAAAAAAwMD/AAAAAABkAAAAMgAAAAAAAABkAAAAAAAAAH9/fwAKAAAAHwAAAFQAAAC74OMF////AQAAAAAAAAAAAAAAAAAAAAAAAAAAAAAAAAAAAAAAAAAAAAAAAn9/fwCAgIADzMzMAMDA/wB/f38AAAAAAAAAAAAAAAAAAAAAAAAAAAAhAAAAGAAAABQAAAB6CwAA+iQAABkSAACqJgAAECAAACYAAAAIAAAA//////////8="/>
               </a:ext>
             </a:extLst>
           </p:cNvSpPr>
@@ -7411,7 +7411,7 @@
           <p:cNvSpPr txBox="1">
             <a:extLst>
               <a:ext uri="smNativeData">
-                <pr:smNativeData xmlns:pr="smNativeData" val="SMDATA_13_BbpsXRMAAAAlAAAAEgAAAE8BAAAAkAAAAEgAAACQAAAASAAAAAAAAAAAAAAAAAAAAAEAAABQAAAAAAAAAAAA4D8AAAAAAADgPwAAAAAAAOA/AAAAAAAA4D8AAAAAAADgPwAAAAAAAOA/AAAAAAAA4D8AAAAAAADgPwAAAAAAAOA/AAAAAAAA4D8CAAAAjAAAAAAAAAAAAAAAu+DjDP///wgAAAAAAAAAAAAAAAAAAAAAAAAAAAAAAAAAAAAAZAAAAAEAAABAAAAAAAAAAAAAAAAAAAAAAAAAAAAAAAAAAAAAAAAAAAAAAAAAAAAAAAAAAAAAAAAAAAAAAAAAAAAAAAAAAAAAAAAAAAAAAAAAAAAAAAAAAAAAAAAAAAAAFAAAADwAAAAAAAAAAAAAAAAAAAkUAAAAAQAAABQAAAAUAAAAFAAAAAEAAAAAAAAAZAAAAGQAAAAAAAAAZAAAAGQAAAAVAAAAYAAAAAAAAAAAAAAADwAAACADAAAAAAAAAAAAAAEAAACgMgAAVgcAAKr4//8BAAAAf39/AAEAAABkAAAAAAAAABQAAABAHwAAAAAAACYAAAAAAAAAwOD//wAAAAAmAAAAZAAAABYAAABMAAAAAAAAAAAAAAAEAAAAAAAAAAEAAACAgIAKAAAAACgAAAAoAAAAZAAAAGQAAAAAAAAAzMzMAAAAAABQAAAAUAAAAGQAAABkAAAAAAAAABcAAAAUAAAAAAAAANwIAAD/fwAA/38AAAAAAAAJAAAABAAAAHBlPSIMAAAAEAAAAAAAAAAAAAAAAAAAAAAAAAAeAAAAaAAAAAAAAAAAAAAAAAAAAAAAAAAAAAAAECcAABAnAAAAAAAAAAAAAAAAAAAAAAAAAAAAAAAAAAAAAAAAAAAAABQAAAAAAAAAwMD/AAAAAABkAAAAMgAAAAAAAABkAAAAAAAAAH9/fwAKAAAAHwAAAFQAAAC74OMF////AQAAAAAAAAAAAAAAAAAAAAAAAAAAAAAAAAAAAAAAAAAAAAAAAn9/fwCAgIADzMzMAMDA/wB/f38AAAAAAAAAAAAAAAAAAAAAAAAAAAAhAAAAGAAAABQAAAC4GAAAjhUAAFcfAAA+FwAAECAAACYAAAAIAAAA//////////8="/>
+                <pr:smNativeData xmlns:pr="smNativeData" val="SMDATA_13_IrKAXRMAAAAlAAAAEgAAAE8BAAAAkAAAAEgAAACQAAAASAAAAAAAAAAAAAAAAAAAAAEAAABQAAAAAAAAAAAA4D8AAAAAAADgPwAAAAAAAOA/AAAAAAAA4D8AAAAAAADgPwAAAAAAAOA/AAAAAAAA4D8AAAAAAADgPwAAAAAAAOA/AAAAAAAA4D8CAAAAjAAAAAAAAAAAAAAAu+DjDP///wgAAAAAAAAAAAAAAAAAAAAAAAAAAAAAAAAAAAAAZAAAAAEAAABAAAAAAAAAAAAAAAAAAAAAAAAAAAAAAAAAAAAAAAAAAAAAAAAAAAAAAAAAAAAAAAAAAAAAAAAAAAAAAAAAAAAAAAAAAAAAAAAAAAAAAAAAAAAAAAAAAAAAFAAAADwAAAAAAAAAAAAAAAAAAAkUAAAAAQAAABQAAAAUAAAAFAAAAAEAAAAAAAAAZAAAAGQAAAAAAAAAZAAAAGQAAAAVAAAAYAAAAAAAAAAAAAAADwAAACADAAAAAAAAAAAAAAEAAACgMgAAVgcAAKr4//8BAAAAf39/AAEAAABkAAAAAAAAABQAAABAHwAAAAAAACYAAAAAAAAAwOD//wAAAAAmAAAAZAAAABYAAABMAAAAAAAAAAAAAAAEAAAAAAAAAAEAAACAgIAKAAAAACgAAAAoAAAAZAAAAGQAAAAAAAAAzMzMAAAAAABQAAAAUAAAAGQAAABkAAAAAAAAABcAAAAUAAAAAAAAANwIAAD/fwAA/38AAAAAAAAJAAAABAAAAHBlPSIMAAAAEAAAAAAAAAAAAAAAAAAAAAAAAAAeAAAAaAAAAAAAAAAAAAAAAAAAAAAAAAAAAAAAECcAABAnAAAAAAAAAAAAAAAAAAAAAAAAAAAAAAAAAAAAAAAAAAAAABQAAAAAAAAAwMD/AAAAAABkAAAAMgAAAAAAAABkAAAAAAAAAH9/fwAKAAAAHwAAAFQAAAC74OMF////AQAAAAAAAAAAAAAAAAAAAAAAAAAAAAAAAAAAAAAAAAAAAAAAAn9/fwCAgIADzMzMAMDA/wB/f38AAAAAAAAAAAAAAAAAAAAAAAAAAAAhAAAAGAAAABQAAAC4GAAAjhUAAFcfAAA+FwAAECAAACYAAAAIAAAA//////////8="/>
               </a:ext>
             </a:extLst>
           </p:cNvSpPr>
@@ -7457,7 +7457,7 @@
           <p:cNvSpPr txBox="1">
             <a:extLst>
               <a:ext uri="smNativeData">
-                <pr:smNativeData xmlns:pr="smNativeData" val="SMDATA_13_BbpsXRMAAAAlAAAAEgAAAE8BAAAAkAAAAEgAAACQAAAASAAAAAAAAAAAAAAAAAAAAAEAAABQAAAAAAAAAAAA4D8AAAAAAADgPwAAAAAAAOA/AAAAAAAA4D8AAAAAAADgPwAAAAAAAOA/AAAAAAAA4D8AAAAAAADgPwAAAAAAAOA/AAAAAAAA4D8CAAAAjAAAAAAAAAAAAAAAu+DjDP///wgAAAAAAAAAAAAAAAAAAAAAAAAAAAAAAAAAAAAAZAAAAAEAAABAAAAAAAAAAAAAAAAAAAAAAAAAAAAAAAAAAAAAAAAAAAAAAAAAAAAAAAAAAAAAAAAAAAAAAAAAAAAAAAAAAAAAAAAAAAAAAAAAAAAAAAAAAAAAAAAAAAAAFAAAADwAAAAAAAAAAAAAAAAAAAkUAAAAAQAAABQAAAAUAAAAFAAAAAEAAAAAAAAAZAAAAGQAAAAAAAAAZAAAAGQAAAAVAAAAYAAAAAAAAAAAAAAADwAAACADAAAAAAAAAAAAAAEAAACgMgAAVgcAAKr4//8BAAAAf39/AAEAAABkAAAAAAAAABQAAABAHwAAAAAAACYAAAAAAAAAwOD//wAAAAAmAAAAZAAAABYAAABMAAAAAAAAAAAAAAAEAAAAAAAAAAEAAACAgIAKAAAAACgAAAAoAAAAZAAAAGQAAAAAAAAAzMzMAAAAAABQAAAAUAAAAGQAAABkAAAAAAAAABcAAAAUAAAAAAAAANwIAAD/fwAA/38AAAAAAAAJAAAABAAAACIvPjwMAAAAEAAAAAAAAAAAAAAAAAAAAAAAAAAeAAAAaAAAAAAAAAAAAAAAAAAAAAAAAAAAAAAAECcAABAnAAAAAAAAAAAAAAAAAAAAAAAAAAAAAAAAAAAAAAAAAAAAABQAAAAAAAAAwMD/AAAAAABkAAAAMgAAAAAAAABkAAAAAAAAAH9/fwAKAAAAHwAAAFQAAAC74OMF////AQAAAAAAAAAAAAAAAAAAAAAAAAAAAAAAAAAAAAAAAAAAAAAAAn9/fwCAgIADzMzMAMDA/wB/f38AAAAAAAAAAAAAAAAAAAAAAAAAAAAhAAAAGAAAABQAAAC4GAAAeR0AAFcfAAApHwAAECAAACYAAAAIAAAA//////////8="/>
+                <pr:smNativeData xmlns:pr="smNativeData" val="SMDATA_13_IrKAXRMAAAAlAAAAEgAAAE8BAAAAkAAAAEgAAACQAAAASAAAAAAAAAAAAAAAAAAAAAEAAABQAAAAAAAAAAAA4D8AAAAAAADgPwAAAAAAAOA/AAAAAAAA4D8AAAAAAADgPwAAAAAAAOA/AAAAAAAA4D8AAAAAAADgPwAAAAAAAOA/AAAAAAAA4D8CAAAAjAAAAAAAAAAAAAAAu+DjDP///wgAAAAAAAAAAAAAAAAAAAAAAAAAAAAAAAAAAAAAZAAAAAEAAABAAAAAAAAAAAAAAAAAAAAAAAAAAAAAAAAAAAAAAAAAAAAAAAAAAAAAAAAAAAAAAAAAAAAAAAAAAAAAAAAAAAAAAAAAAAAAAAAAAAAAAAAAAAAAAAAAAAAAFAAAADwAAAAAAAAAAAAAAAAAAAkUAAAAAQAAABQAAAAUAAAAFAAAAAEAAAAAAAAAZAAAAGQAAAAAAAAAZAAAAGQAAAAVAAAAYAAAAAAAAAAAAAAADwAAACADAAAAAAAAAAAAAAEAAACgMgAAVgcAAKr4//8BAAAAf39/AAEAAABkAAAAAAAAABQAAABAHwAAAAAAACYAAAAAAAAAwOD//wAAAAAmAAAAZAAAABYAAABMAAAAAAAAAAAAAAAEAAAAAAAAAAEAAACAgIAKAAAAACgAAAAoAAAAZAAAAGQAAAAAAAAAzMzMAAAAAABQAAAAUAAAAGQAAABkAAAAAAAAABcAAAAUAAAAAAAAANwIAAD/fwAA/38AAAAAAAAJAAAABAAAACIvPjwMAAAAEAAAAAAAAAAAAAAAAAAAAAAAAAAeAAAAaAAAAAAAAAAAAAAAAAAAAAAAAAAAAAAAECcAABAnAAAAAAAAAAAAAAAAAAAAAAAAAAAAAAAAAAAAAAAAAAAAABQAAAAAAAAAwMD/AAAAAABkAAAAMgAAAAAAAABkAAAAAAAAAH9/fwAKAAAAHwAAAFQAAAC74OMF////AQAAAAAAAAAAAAAAAAAAAAAAAAAAAAAAAAAAAAAAAAAAAAAAAn9/fwCAgIADzMzMAMDA/wB/f38AAAAAAAAAAAAAAAAAAAAAAAAAAAAhAAAAGAAAABQAAAC4GAAAeR0AAFcfAAApHwAAECAAACYAAAAIAAAA//////////8="/>
               </a:ext>
             </a:extLst>
           </p:cNvSpPr>
@@ -7503,7 +7503,7 @@
           <p:cNvSpPr txBox="1">
             <a:extLst>
               <a:ext uri="smNativeData">
-                <pr:smNativeData xmlns:pr="smNativeData" val="SMDATA_13_BbpsXRMAAAAlAAAAEgAAAE8BAAAAkAAAAEgAAACQAAAASAAAAAAAAAAAAAAAAAAAAAEAAABQAAAAAAAAAAAA4D8AAAAAAADgPwAAAAAAAOA/AAAAAAAA4D8AAAAAAADgPwAAAAAAAOA/AAAAAAAA4D8AAAAAAADgPwAAAAAAAOA/AAAAAAAA4D8CAAAAjAAAAAAAAAAAAAAAu+DjDP///wgAAAAAAAAAAAAAAAAAAAAAAAAAAAAAAAAAAAAAZAAAAAEAAABAAAAAAAAAAAAAAAAAAAAAAAAAAAAAAAAAAAAAAAAAAAAAAAAAAAAAAAAAAAAAAAAAAAAAAAAAAAAAAAAAAAAAAAAAAAAAAAAAAAAAAAAAAAAAAAAAAAAAFAAAADwAAAAAAAAAAAAAAAAAAAkUAAAAAQAAABQAAAAUAAAAFAAAAAEAAAAAAAAAZAAAAGQAAAAAAAAAZAAAAGQAAAAVAAAAYAAAAAAAAAAAAAAADwAAACADAAAAAAAAAAAAAAEAAACgMgAAVgcAAKr4//8BAAAAf39/AAEAAABkAAAAAAAAABQAAABAHwAAAAAAACYAAAAAAAAAwOD//wAAAAAmAAAAZAAAABYAAABMAAAAAAAAAAAAAAAEAAAAAAAAAAEAAACAgIAKAAAAACgAAAAoAAAAZAAAAGQAAAAAAAAAzMzMAAAAAABQAAAAUAAAAGQAAABkAAAAAAAAABcAAAAUAAAAAAAAANwIAAD/fwAA/38AAAAAAAAJAAAABAAAAFByPjwMAAAAEAAAAAAAAAAAAAAAAAAAAAAAAAAeAAAAaAAAAAAAAAAAAAAAAAAAAAAAAAAAAAAAECcAABAnAAAAAAAAAAAAAAAAAAAAAAAAAAAAAAAAAAAAAAAAAAAAABQAAAAAAAAAwMD/AAAAAABkAAAAMgAAAAAAAABkAAAAAAAAAH9/fwAKAAAAHwAAAFQAAAC74OMF////AQAAAAAAAAAAAAAAAAAAAAAAAAAAAAAAAAAAAAAAAAAAAAAAAn9/fwCAgIADzMzMAMDA/wB/f38AAAAAAAAAAAAAAAAAAAAAAAAAAAAhAAAAGAAAABQAAAD7EgAAyg8AAJoZAADaEQAAECAAACYAAAAIAAAA//////////8="/>
+                <pr:smNativeData xmlns:pr="smNativeData" val="SMDATA_13_IrKAXRMAAAAlAAAAEgAAAE8BAAAAkAAAAEgAAACQAAAASAAAAAAAAAAAAAAAAAAAAAEAAABQAAAAAAAAAAAA4D8AAAAAAADgPwAAAAAAAOA/AAAAAAAA4D8AAAAAAADgPwAAAAAAAOA/AAAAAAAA4D8AAAAAAADgPwAAAAAAAOA/AAAAAAAA4D8CAAAAjAAAAAAAAAAAAAAAu+DjDP///wgAAAAAAAAAAAAAAAAAAAAAAAAAAAAAAAAAAAAAZAAAAAEAAABAAAAAAAAAAAAAAAAAAAAAAAAAAAAAAAAAAAAAAAAAAAAAAAAAAAAAAAAAAAAAAAAAAAAAAAAAAAAAAAAAAAAAAAAAAAAAAAAAAAAAAAAAAAAAAAAAAAAAFAAAADwAAAAAAAAAAAAAAAAAAAkUAAAAAQAAABQAAAAUAAAAFAAAAAEAAAAAAAAAZAAAAGQAAAAAAAAAZAAAAGQAAAAVAAAAYAAAAAAAAAAAAAAADwAAACADAAAAAAAAAAAAAAEAAACgMgAAVgcAAKr4//8BAAAAf39/AAEAAABkAAAAAAAAABQAAABAHwAAAAAAACYAAAAAAAAAwOD//wAAAAAmAAAAZAAAABYAAABMAAAAAAAAAAAAAAAEAAAAAAAAAAEAAACAgIAKAAAAACgAAAAoAAAAZAAAAGQAAAAAAAAAzMzMAAAAAABQAAAAUAAAAGQAAABkAAAAAAAAABcAAAAUAAAAAAAAANwIAAD/fwAA/38AAAAAAAAJAAAABAAAAFByPjwMAAAAEAAAAAAAAAAAAAAAAAAAAAAAAAAeAAAAaAAAAAAAAAAAAAAAAAAAAAAAAAAAAAAAECcAABAnAAAAAAAAAAAAAAAAAAAAAAAAAAAAAAAAAAAAAAAAAAAAABQAAAAAAAAAwMD/AAAAAABkAAAAMgAAAAAAAABkAAAAAAAAAH9/fwAKAAAAHwAAAFQAAAC74OMF////AQAAAAAAAAAAAAAAAAAAAAAAAAAAAAAAAAAAAAAAAAAAAAAAAn9/fwCAgIADzMzMAMDA/wB/f38AAAAAAAAAAAAAAAAAAAAAAAAAAAAhAAAAGAAAABQAAAD7EgAAyg8AAJoZAADaEQAAECAAACYAAAAIAAAA//////////8="/>
               </a:ext>
             </a:extLst>
           </p:cNvSpPr>
@@ -7549,7 +7549,7 @@
           <p:cNvSpPr txBox="1">
             <a:extLst>
               <a:ext uri="smNativeData">
-                <pr:smNativeData xmlns:pr="smNativeData" val="SMDATA_13_BbpsXRMAAAAlAAAAEgAAAE8BAAAAkAAAAEgAAACQAAAASAAAAAAAAAAAAAAAAAAAAAEAAABQAAAAAAAAAAAA4D8AAAAAAADgPwAAAAAAAOA/AAAAAAAA4D8AAAAAAADgPwAAAAAAAOA/AAAAAAAA4D8AAAAAAADgPwAAAAAAAOA/AAAAAAAA4D8CAAAAjAAAAAAAAAAAAAAAu+DjDP///wgAAAAAAAAAAAAAAAAAAAAAAAAAAAAAAAAAAAAAZAAAAAEAAABAAAAAAAAAAAAAAAAAAAAAAAAAAAAAAAAAAAAAAAAAAAAAAAAAAAAAAAAAAAAAAAAAAAAAAAAAAAAAAAAAAAAAAAAAAAAAAAAAAAAAAAAAAAAAAAAAAAAAFAAAADwAAAAAAAAAAAAAAAAAAAkUAAAAAQAAABQAAAAUAAAAFAAAAAEAAAAAAAAAZAAAAGQAAAAAAAAAZAAAAGQAAAAVAAAAYAAAAAAAAAAAAAAADwAAACADAAAAAAAAAAAAAAEAAACgMgAAVgcAAKr4//8BAAAAf39/AAEAAABkAAAAAAAAABQAAABAHwAAAAAAACYAAAAAAAAAwOD//wAAAAAmAAAAZAAAABYAAABMAAAAAAAAAAAAAAAEAAAAAAAAAAEAAACAgIAKAAAAACgAAAAoAAAAZAAAAGQAAAAAAAAAzMzMAAAAAABQAAAAUAAAAGQAAABkAAAAAAAAABcAAAAUAAAAAAAAANwIAAD/fwAA/38AAAAAAAAJAAAABAAAAAAAAAAMAAAAEAAAAAAAAAAAAAAAAAAAAAAAAAAeAAAAaAAAAAAAAAAAAAAAAAAAAAAAAAAAAAAAECcAABAnAAAAAAAAAAAAAAAAAAAAAAAAAAAAAAAAAAAAAAAAAAAAABQAAAAAAAAAwMD/AAAAAABkAAAAMgAAAAAAAABkAAAAAAAAAH9/fwAKAAAAHwAAAFQAAAC74OMF////AQAAAAAAAAAAAAAAAAAAAAAAAAAAAAAAAAAAAAAAAAAAAAAAAn9/fwCAgIADzMzMAMDA/wB/f38AAAAAAAAAAAAAAAAAAAAAAAAAAAAhAAAAGAAAABQAAADqGAAA0RAAAIkfAADhEgAAECAAACYAAAAIAAAA//////////8="/>
+                <pr:smNativeData xmlns:pr="smNativeData" val="SMDATA_13_IrKAXRMAAAAlAAAAEgAAAE8BAAAAkAAAAEgAAACQAAAASAAAAAAAAAAAAAAAAAAAAAEAAABQAAAAAAAAAAAA4D8AAAAAAADgPwAAAAAAAOA/AAAAAAAA4D8AAAAAAADgPwAAAAAAAOA/AAAAAAAA4D8AAAAAAADgPwAAAAAAAOA/AAAAAAAA4D8CAAAAjAAAAAAAAAAAAAAAu+DjDP///wgAAAAAAAAAAAAAAAAAAAAAAAAAAAAAAAAAAAAAZAAAAAEAAABAAAAAAAAAAAAAAAAAAAAAAAAAAAAAAAAAAAAAAAAAAAAAAAAAAAAAAAAAAAAAAAAAAAAAAAAAAAAAAAAAAAAAAAAAAAAAAAAAAAAAAAAAAAAAAAAAAAAAFAAAADwAAAAAAAAAAAAAAAAAAAkUAAAAAQAAABQAAAAUAAAAFAAAAAEAAAAAAAAAZAAAAGQAAAAAAAAAZAAAAGQAAAAVAAAAYAAAAAAAAAAAAAAADwAAACADAAAAAAAAAAAAAAEAAACgMgAAVgcAAKr4//8BAAAAf39/AAEAAABkAAAAAAAAABQAAABAHwAAAAAAACYAAAAAAAAAwOD//wAAAAAmAAAAZAAAABYAAABMAAAAAAAAAAAAAAAEAAAAAAAAAAEAAACAgIAKAAAAACgAAAAoAAAAZAAAAGQAAAAAAAAAzMzMAAAAAABQAAAAUAAAAGQAAABkAAAAAAAAABcAAAAUAAAAAAAAANwIAAD/fwAA/38AAAAAAAAJAAAABAAAAAAAAAAMAAAAEAAAAAAAAAAAAAAAAAAAAAAAAAAeAAAAaAAAAAAAAAAAAAAAAAAAAAAAAAAAAAAAECcAABAnAAAAAAAAAAAAAAAAAAAAAAAAAAAAAAAAAAAAAAAAAAAAABQAAAAAAAAAwMD/AAAAAABkAAAAMgAAAAAAAABkAAAAAAAAAH9/fwAKAAAAHwAAAFQAAAC74OMF////AQAAAAAAAAAAAAAAAAAAAAAAAAAAAAAAAAAAAAAAAAAAAAAAAn9/fwCAgIADzMzMAMDA/wB/f38AAAAAAAAAAAAAAAAAAAAAAAAAAAAhAAAAGAAAABQAAADqGAAA0RAAAIkfAADhEgAAECAAACYAAAAIAAAA//////////8="/>
               </a:ext>
             </a:extLst>
           </p:cNvSpPr>
@@ -7595,7 +7595,7 @@
           <p:cNvSpPr>
             <a:extLst>
               <a:ext uri="smNativeData">
-                <pr:smNativeData xmlns:pr="smNativeData" val="SMDATA_13_BbpsXRMAAAAlAAAAZAAAAA8BAAAAkAAAAEgAAACQAAAASAAAAAAAAAAAAAAAAAAAAAEAAABQAAAAAAAAAAAA4D8AAAAAAADgPwAAAAAAAOA/AAAAAAAA4D8AAAAAAADgPwAAAAAAAOA/AAAAAAAA4D8AAAAAAADgPwAAAAAAAOA/AAAAAAAA4D8CAAAAjAAAAAEAAAAAAAAAHh4eAP///wgAAAAAAAAAAAAAAAAAAAAAAAAAAAAAAAAAAAAAZAAAAAEAAABAAAAAAAAAAAAAAAAAAAAAAAAAAAAAAAAAAAAAAAAAAAAAAAAAAAAAAAAAAAAAAAAAAAAAAAAAAAAAAAAAAAAAAAAAAAAAAAAAAAAAAAAAAAAAAAAAAAAAFAAAADwAAAAAAAAAAAAAAAAAAAkAAAAAAQAAAAAAAAAAAAAAAAAAAAAAAAAAAAAAZAAAAGQAAAAAAAAAZAAAAGQAAAAVAAAAYAAAAAAAAAAAAAAADwAAACADAAAAAAAAAAAAAAEAAACgMgAAAAAAAAAAAAABAAAAf39/AAEAAABkAAAAAAAAABQAAABAHwAAAAAAACYAAAAAAAAAwOD//wAAAAAmAAAAZAAAABYAAABMAAAAAAAAAAAAAAAEAAAAAAAAAAEAAACAgIAKAAAAACgAAAAoAAAAZAAAAGQAAAAAAAAAzMzMAAAAAABQAAAAUAAAAGQAAABkAAAAAAAAABcAAAAUAAAAAAAAAAAAAAD/fwAA/38AAAAAAAAJAAAABAAAAAAAAAAMAAAAEAAAAAAAAAAAAAAAAAAAAAAAAAAeAAAAaAAAAAAAAAAAAAAAAAAAAAAAAAAAAAAAECcAABAnAAAAAAAAAAAAAAAAAAAAAAAAAAAAAAAAAAAAAAAAAAAAABQAAAAAAAAAwMD/AAAAAABkAAAAMgAAAAAAAABkAAAAAAAAAH9/fwAKAAAAHwAAAFQAAAAeHh4A////AQAAAAAAAAAAAAAAAAAAAAAAAAAAAAAAAAAAAAAAAAAAAAAAAn9/fwCAgIADzMzMAMDA/wB/f38AAAAAAAAAAAAAAAAAAAAAAAAAAAAhAAAAGAAAABQAAAAAAAAAZQcAAEA4AAC4CAAAEAAAACYAAAAIAAAA//////////8="/>
+                <pr:smNativeData xmlns:pr="smNativeData" val="SMDATA_13_IrKAXRMAAAAlAAAAZAAAAA8BAAAAkAAAAEgAAACQAAAASAAAAAAAAAAAAAAAAAAAAAEAAABQAAAAAAAAAAAA4D8AAAAAAADgPwAAAAAAAOA/AAAAAAAA4D8AAAAAAADgPwAAAAAAAOA/AAAAAAAA4D8AAAAAAADgPwAAAAAAAOA/AAAAAAAA4D8CAAAAjAAAAAEAAAAAAAAAHh4eAP///wgAAAAAAAAAAAAAAAAAAAAAAAAAAAAAAAAAAAAAZAAAAAEAAABAAAAAAAAAAAAAAAAAAAAAAAAAAAAAAAAAAAAAAAAAAAAAAAAAAAAAAAAAAAAAAAAAAAAAAAAAAAAAAAAAAAAAAAAAAAAAAAAAAAAAAAAAAAAAAAAAAAAAFAAAADwAAAAAAAAAAAAAAAAAAAkAAAAAAQAAAAAAAAAAAAAAAAAAAAAAAAAAAAAAZAAAAGQAAAAAAAAAZAAAAGQAAAAVAAAAYAAAAAAAAAAAAAAADwAAACADAAAAAAAAAAAAAAEAAACgMgAAAAAAAAAAAAABAAAAf39/AAEAAABkAAAAAAAAABQAAABAHwAAAAAAACYAAAAAAAAAwOD//wAAAAAmAAAAZAAAABYAAABMAAAAAAAAAAAAAAAEAAAAAAAAAAEAAACAgIAKAAAAACgAAAAoAAAAZAAAAGQAAAAAAAAAzMzMAAAAAABQAAAAUAAAAGQAAABkAAAAAAAAABcAAAAUAAAAAAAAAAAAAAD/fwAA/38AAAAAAAAJAAAABAAAAAAAAAAMAAAAEAAAAAAAAAAAAAAAAAAAAAAAAAAeAAAAaAAAAAAAAAAAAAAAAAAAAAAAAAAAAAAAECcAABAnAAAAAAAAAAAAAAAAAAAAAAAAAAAAAAAAAAAAAAAAAAAAABQAAAAAAAAAwMD/AAAAAABkAAAAMgAAAAAAAABkAAAAAAAAAH9/fwAKAAAAHwAAAFQAAAAeHh4A////AQAAAAAAAAAAAAAAAAAAAAAAAAAAAAAAAAAAAAAAAAAAAAAAAn9/fwCAgIADzMzMAMDA/wB/f38AAAAAAAAAAAAAAAAAAAAAAAAAAAAhAAAAGAAAABQAAAAAAAAAZQcAAEA4AAC4CAAAEAAAACYAAAAIAAAA//////////8="/>
               </a:ext>
             </a:extLst>
           </p:cNvSpPr>
@@ -7664,7 +7664,7 @@
           <p:cNvSpPr>
             <a:extLst>
               <a:ext uri="smNativeData">
-                <pr:smNativeData xmlns:pr="smNativeData" val="SMDATA_13_BbpsXRMAAAAlAAAACgAAAA8BAAAAkAAAAEgAAACQAAAASAAAAAAAAAAAAAAAAAAAAAEAAABQAAAAAAAAAAAA4D8AAAAAAADgPwAAAAAAAOA/AAAAAAAA4D8AAAAAAADgPwAAAAAAAOA/AAAAAAAA4D8AAAAAAADgPwAAAAAAAOA/AAAAAAAA4D8CAAAAjAAAAAAAAAAAAAAAu+DjDP///wgAAAAAAAAAAAAAAAAAAAAAAAAAAAAAAAAAAAAAZAAAAAEAAABAAAAAAAAAAAAAAAAAAAAAAAAAAAAAAAAAAAAAAAAAAAAAAAAAAAAAAAAAAAAAAAAAAAAAAAAAAAAAAAAAAAAAAAAAAAAAAAAAAAAAAAAAAAAAAAAAAAAAFAAAADwAAAABAAAAAAAAAFVVVQBQAAAAAQAAAAQAAAAAAAAAAAAAAAAAAAAAAAAAZAAAAGQAAAACAAAAZAAAAGQAAAAVAAAAYAAAAAAAAAAAAAAADwAAACADAAAAAAAAAAAAAAEAAACgMgAAAAAAAAAAAAABAAAAf39/AAEAAABkAAAAAAAAABQAAABAHwAAAAAAACYAAAAAAAAAwOD//wAAAAAmAAAAZAAAABYAAABMAAAAAAAAAAAAAAAEAAAAAAAAAAEAAACAgIAKAAAAACgAAAAoAAAAZAAAAGQAAAAAAAAAzMzMAAAAAABQAAAAUAAAAGQAAABkAAAAAAAAABcAAAAUAAAAAAAAAAAAAAD/fwAA/38AAAAAAAAJAAAABAAAAON4AAAMAAAAEAAAAAAAAAAAAAAAAAAAAAAAAAAeAAAAaAAAAAAAAAAAAAAAAAAAAAAAAAAAAAAAECcAABAnAAAAAAAAAAAAAAAAAAAAAAAAAAAAAAAAAAAAAAAAAAAAABQAAAAAAAAAwMD/AAAAAABkAAAAMgAAAAAAAABkAAAAAAAAAH9/fwAKAAAAHwAAAFQAAAC74OMF////AQAAAAAAAAAAAAAAAAAAAAAAAAAAAAAAAAAAAAAAAAAAVVVVAH9/fwCAgIADzMzMAMDA/wB/f38AAAAAAAAAAAAAAAAAAAAAAAAAAAAhAAAAGAAAABQAAAA3HAAA0g4AADkcAAB6EAAAEAAAACYAAAAIAAAA//////////8="/>
+                <pr:smNativeData xmlns:pr="smNativeData" val="SMDATA_13_IrKAXRMAAAAlAAAACgAAAA8BAAAAkAAAAEgAAACQAAAASAAAAAAAAAAAAAAAAAAAAAEAAABQAAAAAAAAAAAA4D8AAAAAAADgPwAAAAAAAOA/AAAAAAAA4D8AAAAAAADgPwAAAAAAAOA/AAAAAAAA4D8AAAAAAADgPwAAAAAAAOA/AAAAAAAA4D8CAAAAjAAAAAAAAAAAAAAAu+DjDP///wgAAAAAAAAAAAAAAAAAAAAAAAAAAAAAAAAAAAAAZAAAAAEAAABAAAAAAAAAAAAAAAAAAAAAAAAAAAAAAAAAAAAAAAAAAAAAAAAAAAAAAAAAAAAAAAAAAAAAAAAAAAAAAAAAAAAAAAAAAAAAAAAAAAAAAAAAAAAAAAAAAAAAFAAAADwAAAABAAAAAAAAAFVVVQBQAAAAAQAAAAQAAAAAAAAAAAAAAAAAAAAAAAAAZAAAAGQAAAACAAAAZAAAAGQAAAAVAAAAYAAAAAAAAAAAAAAADwAAACADAAAAAAAAAAAAAAEAAACgMgAAAAAAAAAAAAABAAAAf39/AAEAAABkAAAAAAAAABQAAABAHwAAAAAAACYAAAAAAAAAwOD//wAAAAAmAAAAZAAAABYAAABMAAAAAAAAAAAAAAAEAAAAAAAAAAEAAACAgIAKAAAAACgAAAAoAAAAZAAAAGQAAAAAAAAAzMzMAAAAAABQAAAAUAAAAGQAAABkAAAAAAAAABcAAAAUAAAAAAAAAAAAAAD/fwAA/38AAAAAAAAJAAAABAAAAON4AAAMAAAAEAAAAAAAAAAAAAAAAAAAAAAAAAAeAAAAaAAAAAAAAAAAAAAAAAAAAAAAAAAAAAAAECcAABAnAAAAAAAAAAAAAAAAAAAAAAAAAAAAAAAAAAAAAAAAAAAAABQAAAAAAAAAwMD/AAAAAABkAAAAMgAAAAAAAABkAAAAAAAAAH9/fwAKAAAAHwAAAFQAAAC74OMF////AQAAAAAAAAAAAAAAAAAAAAAAAAAAAAAAAAAAAAAAAAAAVVVVAH9/fwCAgIADzMzMAMDA/wB/f38AAAAAAAAAAAAAAAAAAAAAAAAAAAAhAAAAGAAAABQAAAA3HAAA0g4AADkcAAB6EAAAEAAAACYAAAAIAAAA//////////8="/>
               </a:ext>
             </a:extLst>
           </p:cNvSpPr>
@@ -7696,7 +7696,7 @@
           <p:cNvSpPr>
             <a:extLst>
               <a:ext uri="smNativeData">
-                <pr:smNativeData xmlns:pr="smNativeData" val="SMDATA_13_BbpsXRMAAAAlAAAACgAAAA8BAAAAkAAAAEgAAACQAAAASAAAAAAAAAAAAAAAAAAAAAEAAABQAAAAAAAAAAAA4D8AAAAAAADgPwAAAAAAAOA/AAAAAAAA4D8AAAAAAADgPwAAAAAAAOA/AAAAAAAA4D8AAAAAAADgPwAAAAAAAOA/AAAAAAAA4D8CAAAAjAAAAAAAAAAAAAAAu+DjDP///wgAAAAAAAAAAAAAAAAAAAAAAAAAAAAAAAAAAAAAZAAAAAEAAABAAAAAAAAAAAAAAAAAAAAAAAAAAAAAAAAAAAAAAAAAAAAAAAAAAAAAAAAAAAAAAAAAAAAAAAAAAAAAAAAAAAAAAAAAAAAAAAAAAAAAAAAAAAAAAAAAAAAAFAAAADwAAAABAAAAAAAAAFVVVQBQAAAAAQAAAAQAAAAAAAAAAAAAAAAAAAAAAAAAZAAAAGQAAAACAAAAZAAAAGQAAAAVAAAAYAAAAAAAAAAAAAAADwAAACADAAAAAAAAAAAAAAEAAACgMgAAAAAAAAAAAAABAAAAf39/AAEAAABkAAAAAAAAABQAAABAHwAAAAAAACYAAAAAAAAAwOD//wAAAAAmAAAAZAAAABYAAABMAAAAAAAAAAAAAAAEAAAAAAAAAAEAAACAgIAKAAAAACgAAAAoAAAAZAAAAGQAAAAAAAAAzMzMAAAAAABQAAAAUAAAAGQAAABkAAAAAAAAABcAAAAUAAAAAAAAAAAAAAD/fwAA/38AAAAAAAAJAAAABAAAAAAAAAAMAAAAEAAAAAAAAAAAAAAAAAAAAAAAAAAeAAAAaAAAAAAAAAAAAAAAAAAAAAAAAAAAAAAAECcAABAnAAAAAAAAAAAAAAAAAAAAAAAAAAAAAAAAAAAAAAAAAAAAABQAAAAAAAAAwMD/AAAAAABkAAAAMgAAAAAAAABkAAAAAAAAAH9/fwAKAAAAHwAAAFQAAAC74OMF////AQAAAAAAAAAAAAAAAAAAAAAAAAAAAAAAAAAAAAAAAAAAVVVVAH9/fwCAgIADzMzMAMDA/wB/f38AAAAAAAAAAAAAAAAAAAAAAAAAAAAhAAAAGAAAABQAAAD0FgAA9w4AAMAaAAA7EAAAEAAAACYAAAAIAAAA//////////8="/>
+                <pr:smNativeData xmlns:pr="smNativeData" val="SMDATA_13_IrKAXRMAAAAlAAAACgAAAA8BAAAAkAAAAEgAAACQAAAASAAAAAAAAAAAAAAAAAAAAAEAAABQAAAAAAAAAAAA4D8AAAAAAADgPwAAAAAAAOA/AAAAAAAA4D8AAAAAAADgPwAAAAAAAOA/AAAAAAAA4D8AAAAAAADgPwAAAAAAAOA/AAAAAAAA4D8CAAAAjAAAAAAAAAAAAAAAu+DjDP///wgAAAAAAAAAAAAAAAAAAAAAAAAAAAAAAAAAAAAAZAAAAAEAAABAAAAAAAAAAAAAAAAAAAAAAAAAAAAAAAAAAAAAAAAAAAAAAAAAAAAAAAAAAAAAAAAAAAAAAAAAAAAAAAAAAAAAAAAAAAAAAAAAAAAAAAAAAAAAAAAAAAAAFAAAADwAAAABAAAAAAAAAFVVVQBQAAAAAQAAAAQAAAAAAAAAAAAAAAAAAAAAAAAAZAAAAGQAAAACAAAAZAAAAGQAAAAVAAAAYAAAAAAAAAAAAAAADwAAACADAAAAAAAAAAAAAAEAAACgMgAAAAAAAAAAAAABAAAAf39/AAEAAABkAAAAAAAAABQAAABAHwAAAAAAACYAAAAAAAAAwOD//wAAAAAmAAAAZAAAABYAAABMAAAAAAAAAAAAAAAEAAAAAAAAAAEAAACAgIAKAAAAACgAAAAoAAAAZAAAAGQAAAAAAAAAzMzMAAAAAABQAAAAUAAAAGQAAABkAAAAAAAAABcAAAAUAAAAAAAAAAAAAAD/fwAA/38AAAAAAAAJAAAABAAAAAAAAAAMAAAAEAAAAAAAAAAAAAAAAAAAAAAAAAAeAAAAaAAAAAAAAAAAAAAAAAAAAAAAAAAAAAAAECcAABAnAAAAAAAAAAAAAAAAAAAAAAAAAAAAAAAAAAAAAAAAAAAAABQAAAAAAAAAwMD/AAAAAABkAAAAMgAAAAAAAABkAAAAAAAAAH9/fwAKAAAAHwAAAFQAAAC74OMF////AQAAAAAAAAAAAAAAAAAAAAAAAAAAAAAAAAAAAAAAAAAAVVVVAH9/fwCAgIADzMzMAMDA/wB/f38AAAAAAAAAAAAAAAAAAAAAAAAAAAAhAAAAGAAAABQAAAD0FgAA9w4AAMAaAAA7EAAAEAAAACYAAAAIAAAA//////////8="/>
               </a:ext>
             </a:extLst>
           </p:cNvSpPr>
@@ -7728,7 +7728,7 @@
           <p:cNvSpPr>
             <a:extLst>
               <a:ext uri="smNativeData">
-                <pr:smNativeData xmlns:pr="smNativeData" val="SMDATA_13_BbpsXRMAAAAlAAAACgAAAA8BAAAAkAAAAEgAAACQAAAASAAAAAAAAAAAAAAAAAAAAAEAAABQAAAAAAAAAAAA4D8AAAAAAADgPwAAAAAAAOA/AAAAAAAA4D8AAAAAAADgPwAAAAAAAOA/AAAAAAAA4D8AAAAAAADgPwAAAAAAAOA/AAAAAAAA4D8CAAAAjAAAAAAAAAAAAAAAu+DjDP///wgAAAAAAAAAAAAAAAAAAAAAAAAAAAAAAAAAAAAAZAAAAAEAAABAAAAAAAAAAAAAAAAAAAAAAAAAAAAAAAAAAAAAAAAAAAAAAAAAAAAAAAAAAAAAAAAAAAAAAAAAAAAAAAAAAAAAAAAAAAAAAAAAAAAAAAAAAAAAAAAAAAAAFAAAADwAAAABAAAAAAAAAFVVVQBQAAAAAQAAAAQAAAAAAAAAAAAAAAAAAAAAAAAAZAAAAGQAAAACAAAAZAAAAGQAAAAVAAAAYAAAAAAAAAAAAAAADwAAACADAAAAAAAAAAAAAAEAAACgMgAAAAAAAAAAAAABAAAAf39/AAEAAABkAAAAAAAAABQAAABAHwAAAAAAACYAAAAAAAAAwOD//wAAAAAmAAAAZAAAABYAAABMAAAAAAAAAAAAAAAEAAAAAAAAAAEAAACAgIAKAAAAACgAAAAoAAAAZAAAAGQAAAAAAAAAzMzMAAAAAABQAAAAUAAAAGQAAABkAAAAAAAAABcAAAAUAAAAAAAAAAAAAAD/fwAA/38AAAAAAAAJAAAABAAAAKh1iA4MAAAAEAAAAAAAAAAAAAAAAAAAAAAAAAAeAAAAaAAAAAAAAAAAAAAAAAAAAAAAAAAAAAAAECcAABAnAAAAAAAAAAAAAAAAAAAAAAAAAAAAAAAAAAAAAAAAAAAAABQAAAAAAAAAwMD/AAAAAABkAAAAMgAAAAAAAABkAAAAAAAAAH9/fwAKAAAAHwAAAFQAAAC74OMF////AQAAAAAAAAAAAAAAAAAAAAAAAAAAAAAAAAAAAAAAAAAAVVVVAH9/fwCAgIADzMzMAMDA/wB/f38AAAAAAAAAAAAAAAAAAAAAAAAAAAAhAAAAGAAAABQAAAACDwAA/xEAADAVAAA0FAAAEAAAACYAAAAIAAAA//////////8="/>
+                <pr:smNativeData xmlns:pr="smNativeData" val="SMDATA_13_IrKAXRMAAAAlAAAACgAAAA8BAAAAkAAAAEgAAACQAAAASAAAAAAAAAAAAAAAAAAAAAEAAABQAAAAAAAAAAAA4D8AAAAAAADgPwAAAAAAAOA/AAAAAAAA4D8AAAAAAADgPwAAAAAAAOA/AAAAAAAA4D8AAAAAAADgPwAAAAAAAOA/AAAAAAAA4D8CAAAAjAAAAAAAAAAAAAAAu+DjDP///wgAAAAAAAAAAAAAAAAAAAAAAAAAAAAAAAAAAAAAZAAAAAEAAABAAAAAAAAAAAAAAAAAAAAAAAAAAAAAAAAAAAAAAAAAAAAAAAAAAAAAAAAAAAAAAAAAAAAAAAAAAAAAAAAAAAAAAAAAAAAAAAAAAAAAAAAAAAAAAAAAAAAAFAAAADwAAAABAAAAAAAAAFVVVQBQAAAAAQAAAAQAAAAAAAAAAAAAAAAAAAAAAAAAZAAAAGQAAAACAAAAZAAAAGQAAAAVAAAAYAAAAAAAAAAAAAAADwAAACADAAAAAAAAAAAAAAEAAACgMgAAAAAAAAAAAAABAAAAf39/AAEAAABkAAAAAAAAABQAAABAHwAAAAAAACYAAAAAAAAAwOD//wAAAAAmAAAAZAAAABYAAABMAAAAAAAAAAAAAAAEAAAAAAAAAAEAAACAgIAKAAAAACgAAAAoAAAAZAAAAGQAAAAAAAAAzMzMAAAAAABQAAAAUAAAAGQAAABkAAAAAAAAABcAAAAUAAAAAAAAAAAAAAD/fwAA/38AAAAAAAAJAAAABAAAAKh1iA4MAAAAEAAAAAAAAAAAAAAAAAAAAAAAAAAeAAAAaAAAAAAAAAAAAAAAAAAAAAAAAAAAAAAAECcAABAnAAAAAAAAAAAAAAAAAAAAAAAAAAAAAAAAAAAAAAAAAAAAABQAAAAAAAAAwMD/AAAAAABkAAAAMgAAAAAAAABkAAAAAAAAAH9/fwAKAAAAHwAAAFQAAAC74OMF////AQAAAAAAAAAAAAAAAAAAAAAAAAAAAAAAAAAAAAAAAAAAVVVVAH9/fwCAgIADzMzMAMDA/wB/f38AAAAAAAAAAAAAAAAAAAAAAAAAAAAhAAAAGAAAABQAAAACDwAA/xEAADAVAAA0FAAAEAAAACYAAAAIAAAA//////////8="/>
               </a:ext>
             </a:extLst>
           </p:cNvSpPr>
@@ -7760,7 +7760,7 @@
           <p:cNvSpPr>
             <a:extLst>
               <a:ext uri="smNativeData">
-                <pr:smNativeData xmlns:pr="smNativeData" val="SMDATA_13_BbpsXRMAAAAlAAAACgAAAA8BAAAAkAAAAEgAAACQAAAASAAAAAAAAAAAAAAAAAAAAAEAAABQAAAAAAAAAAAA4D8AAAAAAADgPwAAAAAAAOA/AAAAAAAA4D8AAAAAAADgPwAAAAAAAOA/AAAAAAAA4D8AAAAAAADgPwAAAAAAAOA/AAAAAAAA4D8CAAAAjAAAAAAAAAAAAAAAu+DjDP///wgAAAAAAAAAAAAAAAAAAAAAAAAAAAAAAAAAAAAAZAAAAAEAAABAAAAAAAAAAAAAAAAAAAAAAAAAAAAAAAAAAAAAAAAAAAAAAAAAAAAAAAAAAAAAAAAAAAAAAAAAAAAAAAAAAAAAAAAAAAAAAAAAAAAAAAAAAAAAAAAAAAAAFAAAADwAAAABAAAAAAAAAFVVVQBQAAAAAQAAAAQAAAAAAAAAAAAAAAAAAAAAAAAAZAAAAGQAAAACAAAAZAAAAGQAAAAVAAAAYAAAAAAAAAAAAAAADwAAACADAAAAAAAAAAAAAAEAAACgMgAAAAAAAAAAAAABAAAAf39/AAEAAABkAAAAAAAAABQAAABAHwAAAAAAACYAAAAAAAAAwOD//wAAAAAmAAAAZAAAABYAAABMAAAAAAAAAAAAAAAEAAAAAAAAAAEAAACAgIAKAAAAACgAAAAoAAAAZAAAAGQAAAAAAAAAzMzMAAAAAABQAAAAUAAAAGQAAABkAAAAAAAAABcAAAAUAAAAAAAAAAAAAAD/fwAA/38AAAAAAAAJAAAABAAAAAEAAAAMAAAAEAAAAAAAAAAAAAAAAAAAAAAAAAAeAAAAaAAAAAAAAAAAAAAAAAAAAAAAAAAAAAAAECcAABAnAAAAAAAAAAAAAAAAAAAAAAAAAAAAAAAAAAAAAAAAAAAAABQAAAAAAAAAwMD/AAAAAABkAAAAMgAAAAAAAABkAAAAAAAAAH9/fwAKAAAAHwAAAFQAAAC74OMF////AQAAAAAAAAAAAAAAAAAAAAAAAAAAAAAAAAAAAAAAAAAAVVVVAH9/fwCAgIADzMzMAMDA/wB/f38AAAAAAAAAAAAAAAAAAAAAAAAAAAAhAAAAGAAAABQAAACQDgAAgBkAAJIOAACnIwAAEAAAACYAAAAIAAAA//////////8="/>
+                <pr:smNativeData xmlns:pr="smNativeData" val="SMDATA_13_IrKAXRMAAAAlAAAACgAAAA8BAAAAkAAAAEgAAACQAAAASAAAAAAAAAAAAAAAAAAAAAEAAABQAAAAAAAAAAAA4D8AAAAAAADgPwAAAAAAAOA/AAAAAAAA4D8AAAAAAADgPwAAAAAAAOA/AAAAAAAA4D8AAAAAAADgPwAAAAAAAOA/AAAAAAAA4D8CAAAAjAAAAAAAAAAAAAAAu+DjDP///wgAAAAAAAAAAAAAAAAAAAAAAAAAAAAAAAAAAAAAZAAAAAEAAABAAAAAAAAAAAAAAAAAAAAAAAAAAAAAAAAAAAAAAAAAAAAAAAAAAAAAAAAAAAAAAAAAAAAAAAAAAAAAAAAAAAAAAAAAAAAAAAAAAAAAAAAAAAAAAAAAAAAAFAAAADwAAAABAAAAAAAAAFVVVQBQAAAAAQAAAAQAAAAAAAAAAAAAAAAAAAAAAAAAZAAAAGQAAAACAAAAZAAAAGQAAAAVAAAAYAAAAAAAAAAAAAAADwAAACADAAAAAAAAAAAAAAEAAACgMgAAAAAAAAAAAAABAAAAf39/AAEAAABkAAAAAAAAABQAAABAHwAAAAAAACYAAAAAAAAAwOD//wAAAAAmAAAAZAAAABYAAABMAAAAAAAAAAAAAAAEAAAAAAAAAAEAAACAgIAKAAAAACgAAAAoAAAAZAAAAGQAAAAAAAAAzMzMAAAAAABQAAAAUAAAAGQAAABkAAAAAAAAABcAAAAUAAAAAAAAAAAAAAD/fwAA/38AAAAAAAAJAAAABAAAAAEAAAAMAAAAEAAAAAAAAAAAAAAAAAAAAAAAAAAeAAAAaAAAAAAAAAAAAAAAAAAAAAAAAAAAAAAAECcAABAnAAAAAAAAAAAAAAAAAAAAAAAAAAAAAAAAAAAAAAAAAAAAABQAAAAAAAAAwMD/AAAAAABkAAAAMgAAAAAAAABkAAAAAAAAAH9/fwAKAAAAHwAAAFQAAAC74OMF////AQAAAAAAAAAAAAAAAAAAAAAAAAAAAAAAAAAAAAAAAAAAVVVVAH9/fwCAgIADzMzMAMDA/wB/f38AAAAAAAAAAAAAAAAAAAAAAAAAAAAhAAAAGAAAABQAAACQDgAAgBkAAJIOAACnIwAAEAAAACYAAAAIAAAA//////////8="/>
               </a:ext>
             </a:extLst>
           </p:cNvSpPr>
@@ -7792,7 +7792,7 @@
           <p:cNvSpPr>
             <a:extLst>
               <a:ext uri="smNativeData">
-                <pr:smNativeData xmlns:pr="smNativeData" val="SMDATA_13_BbpsXRMAAAAlAAAACgAAAA8BAAAAkAAAAEgAAACQAAAASAAAAAAAAAAAAAAAAAAAAAEAAABQAAAAAAAAAAAA4D8AAAAAAADgPwAAAAAAAOA/AAAAAAAA4D8AAAAAAADgPwAAAAAAAOA/AAAAAAAA4D8AAAAAAADgPwAAAAAAAOA/AAAAAAAA4D8CAAAAjAAAAAAAAAAAAAAAu+DjDP///wgAAAAAAAAAAAAAAAAAAAAAAAAAAAAAAAAAAAAAZAAAAAEAAABAAAAAAAAAAAAAAAAAAAAAAAAAAAAAAAAAAAAAAAAAAAAAAAAAAAAAAAAAAAAAAAAAAAAAAAAAAAAAAAAAAAAAAAAAAAAAAAAAAAAAAAAAAAAAAAAAAAAAFAAAADwAAAABAAAAAAAAAFVVVQBQAAAAAQAAAAQAAAAAAAAAAAAAAAAAAAAAAAAAZAAAAGQAAAACAAAAZAAAAGQAAAAVAAAAYAAAAAAAAAAAAAAADwAAACADAAAAAAAAAAAAAAEAAACgMgAAAAAAAAAAAAABAAAAf39/AAEAAABkAAAAAAAAABQAAABAHwAAAAAAACYAAAAAAAAAwOD//wAAAAAmAAAAZAAAABYAAABMAAAAAAAAAAAAAAAEAAAAAAAAAAEAAACAgIAKAAAAACgAAAAoAAAAZAAAAGQAAAAAAAAAzMzMAAAAAABQAAAAUAAAAGQAAABkAAAAAAAAABcAAAAUAAAAAAAAAAAAAAD/fwAA/38AAAAAAAAJAAAABAAAAAEAAAAMAAAAEAAAAAAAAAAAAAAAAAAAAAAAAAAeAAAAaAAAAAAAAAAAAAAAAAAAAAAAAAAAAAAAECcAABAnAAAAAAAAAAAAAAAAAAAAAAAAAAAAAAAAAAAAAAAAAAAAABQAAAAAAAAAwMD/AAAAAABkAAAAMgAAAAAAAABkAAAAAAAAAH9/fwAKAAAAHwAAAFQAAAC74OMF////AQAAAAAAAAAAAAAAAAAAAAAAAAAAAAAAAAAAAAAAAAAAVVVVAH9/fwCAgIADzMzMAMDA/wB/f38AAAAAAAAAAAAAAAAAAAAAAAAAAAAhAAAAGAAAABQAAAA3HAAAjBkAADkcAAAyHAAAEAAAACYAAAAIAAAA//////////8="/>
+                <pr:smNativeData xmlns:pr="smNativeData" val="SMDATA_13_IrKAXRMAAAAlAAAACgAAAA8BAAAAkAAAAEgAAACQAAAASAAAAAAAAAAAAAAAAAAAAAEAAABQAAAAAAAAAAAA4D8AAAAAAADgPwAAAAAAAOA/AAAAAAAA4D8AAAAAAADgPwAAAAAAAOA/AAAAAAAA4D8AAAAAAADgPwAAAAAAAOA/AAAAAAAA4D8CAAAAjAAAAAAAAAAAAAAAu+DjDP///wgAAAAAAAAAAAAAAAAAAAAAAAAAAAAAAAAAAAAAZAAAAAEAAABAAAAAAAAAAAAAAAAAAAAAAAAAAAAAAAAAAAAAAAAAAAAAAAAAAAAAAAAAAAAAAAAAAAAAAAAAAAAAAAAAAAAAAAAAAAAAAAAAAAAAAAAAAAAAAAAAAAAAFAAAADwAAAABAAAAAAAAAFVVVQBQAAAAAQAAAAQAAAAAAAAAAAAAAAAAAAAAAAAAZAAAAGQAAAACAAAAZAAAAGQAAAAVAAAAYAAAAAAAAAAAAAAADwAAACADAAAAAAAAAAAAAAEAAACgMgAAAAAAAAAAAAABAAAAf39/AAEAAABkAAAAAAAAABQAAABAHwAAAAAAACYAAAAAAAAAwOD//wAAAAAmAAAAZAAAABYAAABMAAAAAAAAAAAAAAAEAAAAAAAAAAEAAACAgIAKAAAAACgAAAAoAAAAZAAAAGQAAAAAAAAAzMzMAAAAAABQAAAAUAAAAGQAAABkAAAAAAAAABcAAAAUAAAAAAAAAAAAAAD/fwAA/38AAAAAAAAJAAAABAAAAAEAAAAMAAAAEAAAAAAAAAAAAAAAAAAAAAAAAAAeAAAAaAAAAAAAAAAAAAAAAAAAAAAAAAAAAAAAECcAABAnAAAAAAAAAAAAAAAAAAAAAAAAAAAAAAAAAAAAAAAAAAAAABQAAAAAAAAAwMD/AAAAAABkAAAAMgAAAAAAAABkAAAAAAAAAH9/fwAKAAAAHwAAAFQAAAC74OMF////AQAAAAAAAAAAAAAAAAAAAAAAAAAAAAAAAAAAAAAAAAAAVVVVAH9/fwCAgIADzMzMAMDA/wB/f38AAAAAAAAAAAAAAAAAAAAAAAAAAAAhAAAAGAAAABQAAAA3HAAAjBkAADkcAAAyHAAAEAAAACYAAAAIAAAA//////////8="/>
               </a:ext>
             </a:extLst>
           </p:cNvSpPr>
@@ -7824,7 +7824,7 @@
           <p:cNvSpPr>
             <a:extLst>
               <a:ext uri="smNativeData">
-                <pr:smNativeData xmlns:pr="smNativeData" val="SMDATA_13_BbpsXRMAAAAlAAAACgAAAA8BAAAAkAAAAEgAAACQAAAASAAAAAAAAAAAAAAAAAAAAAEAAABQAAAAAAAAAAAA4D8AAAAAAADgPwAAAAAAAOA/AAAAAAAA4D8AAAAAAADgPwAAAAAAAOA/AAAAAAAA4D8AAAAAAADgPwAAAAAAAOA/AAAAAAAA4D8CAAAAjAAAAAAAAAAAAAAAu+DjDP///wgAAAAAAAAAAAAAAAAAAAAAAAAAAAAAAAAAAAAAZAAAAAEAAABAAAAAAAAAAAAAAAAAAAAAAAAAAAAAAAAAAAAAAAAAAAAAAAAAAAAAAAAAAAAAAAAAAAAAAAAAAAAAAAAAAAAAAAAAAAAAAAAAAAAAAAAAAAAAAAAAAAAAFAAAADwAAAABAAAAAAAAAFVVVQBQAAAAAQAAAAQAAAAAAAAAAAAAAAAAAAAAAAAAZAAAAGQAAAACAAAAZAAAAGQAAAAVAAAAYAAAAAAAAAAAAAAADwAAACADAAAAAAAAAAAAAAEAAACgMgAAAAAAAAAAAAABAAAAf39/AAEAAABkAAAAAAAAABQAAABAHwAAAAAAACYAAAAAAAAAwOD//wAAAAAmAAAAZAAAABYAAABMAAAAAAAAAAAAAAAEAAAAAAAAAAEAAACAgIAKAAAAACgAAAAoAAAAZAAAAGQAAAAAAAAAzMzMAAAAAABQAAAAUAAAAGQAAABkAAAAAAAAABcAAAAUAAAAAAAAAAAAAAD/fwAA/38AAAAAAAAJAAAABAAAAAEAAAAMAAAAEAAAAAAAAAAAAAAAAAAAAAAAAAAeAAAAaAAAAAAAAAAAAAAAAAAAAAAAAAAAAAAAECcAABAnAAAAAAAAAAAAAAAAAAAAAAAAAAAAAAAAAAAAAAAAAAAAABQAAAAAAAAAwMD/AAAAAABkAAAAMgAAAAAAAABkAAAAAAAAAH9/fwAKAAAAHwAAAFQAAAC74OMF////AQAAAAAAAAAAAAAAAAAAAAAAAAAAAAAAAAAAAAAAAAAAVVVVAH9/fwCAgIADzMzMAMDA/wB/f38AAAAAAAAAAAAAAAAAAAAAAAAAAAAhAAAAGAAAABQAAAAfHAAAcBIAACEcAAAYFAAAEAAAACYAAAAIAAAA//////////8="/>
+                <pr:smNativeData xmlns:pr="smNativeData" val="SMDATA_13_IrKAXRMAAAAlAAAACgAAAA8BAAAAkAAAAEgAAACQAAAASAAAAAAAAAAAAAAAAAAAAAEAAABQAAAAAAAAAAAA4D8AAAAAAADgPwAAAAAAAOA/AAAAAAAA4D8AAAAAAADgPwAAAAAAAOA/AAAAAAAA4D8AAAAAAADgPwAAAAAAAOA/AAAAAAAA4D8CAAAAjAAAAAAAAAAAAAAAu+DjDP///wgAAAAAAAAAAAAAAAAAAAAAAAAAAAAAAAAAAAAAZAAAAAEAAABAAAAAAAAAAAAAAAAAAAAAAAAAAAAAAAAAAAAAAAAAAAAAAAAAAAAAAAAAAAAAAAAAAAAAAAAAAAAAAAAAAAAAAAAAAAAAAAAAAAAAAAAAAAAAAAAAAAAAFAAAADwAAAABAAAAAAAAAFVVVQBQAAAAAQAAAAQAAAAAAAAAAAAAAAAAAAAAAAAAZAAAAGQAAAACAAAAZAAAAGQAAAAVAAAAYAAAAAAAAAAAAAAADwAAACADAAAAAAAAAAAAAAEAAACgMgAAAAAAAAAAAAABAAAAf39/AAEAAABkAAAAAAAAABQAAABAHwAAAAAAACYAAAAAAAAAwOD//wAAAAAmAAAAZAAAABYAAABMAAAAAAAAAAAAAAAEAAAAAAAAAAEAAACAgIAKAAAAACgAAAAoAAAAZAAAAGQAAAAAAAAAzMzMAAAAAABQAAAAUAAAAGQAAABkAAAAAAAAABcAAAAUAAAAAAAAAAAAAAD/fwAA/38AAAAAAAAJAAAABAAAAAEAAAAMAAAAEAAAAAAAAAAAAAAAAAAAAAAAAAAeAAAAaAAAAAAAAAAAAAAAAAAAAAAAAAAAAAAAECcAABAnAAAAAAAAAAAAAAAAAAAAAAAAAAAAAAAAAAAAAAAAAAAAABQAAAAAAAAAwMD/AAAAAABkAAAAMgAAAAAAAABkAAAAAAAAAH9/fwAKAAAAHwAAAFQAAAC74OMF////AQAAAAAAAAAAAAAAAAAAAAAAAAAAAAAAAAAAAAAAAAAAVVVVAH9/fwCAgIADzMzMAMDA/wB/f38AAAAAAAAAAAAAAAAAAAAAAAAAAAAhAAAAGAAAABQAAAAfHAAAcBIAACEcAAAYFAAAEAAAACYAAAAIAAAA//////////8="/>
               </a:ext>
             </a:extLst>
           </p:cNvSpPr>
@@ -7856,7 +7856,7 @@
           <p:cNvSpPr>
             <a:extLst>
               <a:ext uri="smNativeData">
-                <pr:smNativeData xmlns:pr="smNativeData" val="SMDATA_13_BbpsXRMAAAAlAAAAZAAAAA8BAAAAkAAAAEgAAACQAAAASAAAAAAAAAABAAAAAAAAAAEAAABQAAAAAAAAAAAA4D8AAAAAAADgPwAAAAAAAOA/AAAAAAAA4D8AAAAAAADgPwAAAAAAAOA/AAAAAAAA4D8AAAAAAADgPwAAAAAAAOA/AAAAAAAA4D8CAAAAjAAAAAAAAAAAAAAAu+DjDP///wgAAAAAAAAAAAAAAAAAAAAAAAAAAAAAAAAAAAAAZAAAAAEAAABAAAAAAAAAAAAAAAAAAAAAAAAAAAAAAAAAAAAAAAAAAAAAAAAAAAAAAAAAAAAAAAAAAAAAAAAAAAAAAAAAAAAAAAAAAAAAAAAAAAAAAAAAAAAAAAAAAAAAFAAAADwAAAAAAAAAAAAAAAAAAAkUAAAAAQAAABQAAAAUAAAAFAAAAAEAAAAAAAAAZAAAAGQAAAAAAAAAZAAAAGQAAAAVAAAAYAAAAAAAAAAAAAAADwAAACADAAAAAAAAAAAAAAEAAACgMgAAVgcAAKr4//8BAAAAf39/AAEAAABkAAAAAAAAABQAAABAHwAAAAAAACYAAAAAAAAAwOD//wAAAAAmAAAAZAAAABYAAABMAAAAAAAAAAAAAAAEAAAAAAAAAAEAAACAgIAKAAAAACgAAAAoAAAAZAAAAGQAAAAAAAAAzMzMAAAAAABQAAAAUAAAAGQAAABkAAAAAAAAABcAAAAUAAAAAAAAAAAAAAD/fwAA/38AAAAAAAAJAAAABAAAAAEAAAAMAAAAEAAAAAAAAAAAAAAAAAAAAAAAAAAeAAAAaAAAAAAAAAAAAAAAAAAAAAAAAAAAAAAAECcAABAnAAAAAAAAAAAAAAAAAAAAAAAAAAAAAAAAAAAAAAAAAAAAABQAAAAAAAAAwMD/AAAAAABkAAAAMgAAAAAAAABkAAAAAAAAAH9/fwAKAAAAHwAAAFQAAAC74OMF////AQAAAAAAAAAAAAAAAAAAAAAAAAAAAAAAAAAAAAAAAAAAAAAAAn9/fwCAgIADzMzMAMDA/wB/f38AAAAAAAAAAAAAAAAAAAAAAAAAAAAhAAAAGAAAABQAAABqBAAAiAMAABY0AAAoBwAAEAAAACYAAAAIAAAA//////////8="/>
+                <pr:smNativeData xmlns:pr="smNativeData" val="SMDATA_13_IrKAXRMAAAAlAAAAZAAAAA8BAAAAkAAAAEgAAACQAAAASAAAAAAAAAABAAAAAAAAAAEAAABQAAAAAAAAAAAA4D8AAAAAAADgPwAAAAAAAOA/AAAAAAAA4D8AAAAAAADgPwAAAAAAAOA/AAAAAAAA4D8AAAAAAADgPwAAAAAAAOA/AAAAAAAA4D8CAAAAjAAAAAAAAAAAAAAAu+DjDP///wgAAAAAAAAAAAAAAAAAAAAAAAAAAAAAAAAAAAAAZAAAAAEAAABAAAAAAAAAAAAAAAAAAAAAAAAAAAAAAAAAAAAAAAAAAAAAAAAAAAAAAAAAAAAAAAAAAAAAAAAAAAAAAAAAAAAAAAAAAAAAAAAAAAAAAAAAAAAAAAAAAAAAFAAAADwAAAAAAAAAAAAAAAAAAAkUAAAAAQAAABQAAAAUAAAAFAAAAAEAAAAAAAAAZAAAAGQAAAAAAAAAZAAAAGQAAAAVAAAAYAAAAAAAAAAAAAAADwAAACADAAAAAAAAAAAAAAEAAACgMgAAVgcAAKr4//8BAAAAf39/AAEAAABkAAAAAAAAABQAAABAHwAAAAAAACYAAAAAAAAAwOD//wAAAAAmAAAAZAAAABYAAABMAAAAAAAAAAAAAAAEAAAAAAAAAAEAAACAgIAKAAAAACgAAAAoAAAAZAAAAGQAAAAAAAAAzMzMAAAAAABQAAAAUAAAAGQAAABkAAAAAAAAABcAAAAUAAAAAAAAAAAAAAD/fwAA/38AAAAAAAAJAAAABAAAAAEAAAAMAAAAEAAAAAAAAAAAAAAAAAAAAAAAAAAeAAAAaAAAAAAAAAAAAAAAAAAAAAAAAAAAAAAAECcAABAnAAAAAAAAAAAAAAAAAAAAAAAAAAAAAAAAAAAAAAAAAAAAABQAAAAAAAAAwMD/AAAAAABkAAAAMgAAAAAAAABkAAAAAAAAAH9/fwAKAAAAHwAAAFQAAAC74OMF////AQAAAAAAAAAAAAAAAAAAAAAAAAAAAAAAAAAAAAAAAAAAAAAAAn9/fwCAgIADzMzMAMDA/wB/f38AAAAAAAAAAAAAAAAAAAAAAAAAAAAhAAAAGAAAABQAAABqBAAAiAMAABY0AAAoBwAAEAAAACYAAAAIAAAA//////////8="/>
               </a:ext>
             </a:extLst>
           </p:cNvSpPr>
@@ -7902,7 +7902,7 @@
           <p:cNvSpPr>
             <a:extLst>
               <a:ext uri="smNativeData">
-                <pr:smNativeData xmlns:pr="smNativeData" val="SMDATA_13_BbpsXRMAAAAlAAAAZAAAAA8BAAAAkAAAAEgAAACQAAAASAAAAAAAAAAAAAAAAAAAAAEAAABQAAAAAAAAAAAA4D8AAAAAAADgPwAAAAAAAOA/AAAAAAAA4D8AAAAAAADgPwAAAAAAAOA/AAAAAAAA4D8AAAAAAADgPwAAAAAAAOA/AAAAAAAA4D8CAAAAjAAAAAAAAAAAAAAAu+DjDP///wgAAAAAAAAAAAAAAAAAAAAAAAAAAAAAAAAAAAAAZAAAAAEAAABAAAAAAAAAAAAAAAAAAAAAAAAAAAAAAAAAAAAAAAAAAAAAAAAAAAAAAAAAAAAAAAAAAAAAAAAAAAAAAAAAAAAAAAAAAAAAAAAAAAAAAAAAAAAAAAAAAAAAFAAAADwAAAABAAAAAAAAAB4eHgB4AAAAAQAAAAYAAAAAAAAAAAAAAAAAAAAAAAAAZAAAAGQAAAAAAAAAZAAAAGQAAAAVAAAAYAAAAAAAAAAAAAAADwAAACADAAAAAAAAAAAAAAEAAACgMgAAAAAAAAAAAAABAAAAf39/AAEAAABkAAAAAAAAABQAAABAHwAAAAAAACYAAAAAAAAAwOD//wAAAAAmAAAAZAAAABYAAABMAAAAAAAAAAAAAAAEAAAAAAAAAAEAAACAgIAKAAAAACgAAAAoAAAAZAAAAGQAAAAAAAAAzMzMAAAAAABQAAAAUAAAAGQAAABkAAAAAAAAABcAAAAUAAAAAAAAAAAAAAD/fwAA/38AAAAAAAAJAAAABAAAAAEAAAAMAAAAEAAAAAAAAAAAAAAAAAAAAAAAAAAeAAAAaAAAAAAAAAAAAAAAAAAAAAAAAAAAAAAAECcAABAnAAAAAAAAAAAAAAAAAAAAAAAAAAAAAAAAAAAAAAAAPAAAABQAAAAoAAAAHh4eAAAAAABkAAAAMgAAAAAAAABkAAAAAAAAAH9/fwAKAAAAHwAAAFQAAAC74OMF////AQAAAAAAAAAAAAAAAAAAAAAAAAAAAAAAAAAAAAAAAAAAHh4eAH9/fwCAgIADzMzMAB4eHgB/f38AAAAAAAAAAAAAAAAAAAAAAAAAAAAhAAAAGAAAABQAAADMGQAADQoAAKceAADoDgAAEAAAACYAAAAIAAAA//////////8="/>
+                <pr:smNativeData xmlns:pr="smNativeData" val="SMDATA_13_IrKAXRMAAAAlAAAAZAAAAA8BAAAAkAAAAEgAAACQAAAASAAAAAAAAAAAAAAAAAAAAAEAAABQAAAAAAAAAAAA4D8AAAAAAADgPwAAAAAAAOA/AAAAAAAA4D8AAAAAAADgPwAAAAAAAOA/AAAAAAAA4D8AAAAAAADgPwAAAAAAAOA/AAAAAAAA4D8CAAAAjAAAAAAAAAAAAAAAu+DjDP///wgAAAAAAAAAAAAAAAAAAAAAAAAAAAAAAAAAAAAAZAAAAAEAAABAAAAAAAAAAAAAAAAAAAAAAAAAAAAAAAAAAAAAAAAAAAAAAAAAAAAAAAAAAAAAAAAAAAAAAAAAAAAAAAAAAAAAAAAAAAAAAAAAAAAAAAAAAAAAAAAAAAAAFAAAADwAAAABAAAAAAAAAB4eHgB4AAAAAQAAAAYAAAAAAAAAAAAAAAAAAAAAAAAAZAAAAGQAAAAAAAAAZAAAAGQAAAAVAAAAYAAAAAAAAAAAAAAADwAAACADAAAAAAAAAAAAAAEAAACgMgAAAAAAAAAAAAABAAAAf39/AAEAAABkAAAAAAAAABQAAABAHwAAAAAAACYAAAAAAAAAwOD//wAAAAAmAAAAZAAAABYAAABMAAAAAAAAAAAAAAAEAAAAAAAAAAEAAACAgIAKAAAAACgAAAAoAAAAZAAAAGQAAAAAAAAAzMzMAAAAAABQAAAAUAAAAGQAAABkAAAAAAAAABcAAAAUAAAAAAAAAAAAAAD/fwAA/38AAAAAAAAJAAAABAAAAAEAAAAMAAAAEAAAAAAAAAAAAAAAAAAAAAAAAAAeAAAAaAAAAAAAAAAAAAAAAAAAAAAAAAAAAAAAECcAABAnAAAAAAAAAAAAAAAAAAAAAAAAAAAAAAAAAAAAAAAAPAAAABQAAAAoAAAAHh4eAAAAAABkAAAAMgAAAAAAAABkAAAAAAAAAH9/fwAKAAAAHwAAAFQAAAC74OMF////AQAAAAAAAAAAAAAAAAAAAAAAAAAAAAAAAAAAAAAAAAAAHh4eAH9/fwCAgIADzMzMAB4eHgB/f38AAAAAAAAAAAAAAAAAAAAAAAAAAAAhAAAAGAAAABQAAADMGQAADQoAAKceAADoDgAAEAAAACYAAAAIAAAA//////////8="/>
               </a:ext>
             </a:extLst>
           </p:cNvSpPr>
@@ -7941,7 +7941,7 @@
           <p:cNvSpPr>
             <a:extLst>
               <a:ext uri="smNativeData">
-                <pr:smNativeData xmlns:pr="smNativeData" val="SMDATA_13_BbpsXRMAAAAlAAAAZAAAAA8BAAAAkAAAAEgAAACQAAAASAAAAAAAAAAAAAAAAAAAAAEAAABQAAAAAAAAAAAA4D8AAAAAAADgPwAAAAAAAOA/AAAAAAAA4D8AAAAAAADgPwAAAAAAAOA/AAAAAAAA4D8AAAAAAADgPwAAAAAAAOA/AAAAAAAA4D8CAAAAjAAAAAAAAAAAAAAAu+DjDP///wgAAAAAAAAAAAAAAAAAAAAAAAAAAAAAAAAAAAAAZAAAAAEAAABAAAAAAAAAAAAAAAAAAAAAAAAAAAAAAAAAAAAAAAAAAAAAAAAAAAAAAAAAAAAAAAAAAAAAAAAAAAAAAAAAAAAAAAAAAAAAAAAAAAAAAAAAAAAAAAAAAAAAFAAAADwAAAABAAAAAAAAAB4eHgB4AAAAAQAAAAYAAAAAAAAAAAAAAAAAAAAAAAAAZAAAAGQAAAAAAAAAZAAAAGQAAAAVAAAAYAAAAAAAAAAAAAAADwAAACADAAAAAAAAAAAAAAEAAACgMgAAAAAAAAAAAAABAAAAf39/AAEAAABkAAAAAAAAABQAAABAHwAAAAAAACYAAAAAAAAAwOD//wAAAAAmAAAAZAAAABYAAABMAAAAAAAAAAAAAAAEAAAAAAAAAAEAAACAgIAKAAAAACgAAAAoAAAAZAAAAGQAAAAAAAAAzMzMAAAAAABQAAAAUAAAAGQAAABkAAAAAAAAABcAAAAUAAAAAAAAAAAAAAD/fwAA/38AAAAAAAAJAAAABAAAAAEAAAAMAAAAEAAAAAAAAAAAAAAAAAAAAAAAAAAeAAAAaAAAAAAAAAAAAAAAAAAAAAAAAAAAAAAAECcAABAnAAAAAAAAAAAAAAAAAAAAAAAAAAAAAAAAAAAAAAAAPAAAABQAAAAoAAAAHh4eAAAAAABkAAAAMgAAAAAAAABkAAAAAAAAAH9/fwAKAAAAHwAAAFQAAAC74OMF////AQAAAAAAAAAAAAAAAAAAAAAAAAAAAAAAAAAAAAAAAAAAHh4eAH9/fwCAgIADzMzMAB4eHgB/f38AAAAAAAAAAAAAAAAAAAAAAAAAAAAhAAAAGAAAABQAAADMGQAApRQAAKceAACAGQAAEAAAACYAAAAIAAAA//////////8="/>
+                <pr:smNativeData xmlns:pr="smNativeData" val="SMDATA_13_IrKAXRMAAAAlAAAAZAAAAA8BAAAAkAAAAEgAAACQAAAASAAAAAAAAAAAAAAAAAAAAAEAAABQAAAAAAAAAAAA4D8AAAAAAADgPwAAAAAAAOA/AAAAAAAA4D8AAAAAAADgPwAAAAAAAOA/AAAAAAAA4D8AAAAAAADgPwAAAAAAAOA/AAAAAAAA4D8CAAAAjAAAAAAAAAAAAAAAu+DjDP///wgAAAAAAAAAAAAAAAAAAAAAAAAAAAAAAAAAAAAAZAAAAAEAAABAAAAAAAAAAAAAAAAAAAAAAAAAAAAAAAAAAAAAAAAAAAAAAAAAAAAAAAAAAAAAAAAAAAAAAAAAAAAAAAAAAAAAAAAAAAAAAAAAAAAAAAAAAAAAAAAAAAAAFAAAADwAAAABAAAAAAAAAB4eHgB4AAAAAQAAAAYAAAAAAAAAAAAAAAAAAAAAAAAAZAAAAGQAAAAAAAAAZAAAAGQAAAAVAAAAYAAAAAAAAAAAAAAADwAAACADAAAAAAAAAAAAAAEAAACgMgAAAAAAAAAAAAABAAAAf39/AAEAAABkAAAAAAAAABQAAABAHwAAAAAAACYAAAAAAAAAwOD//wAAAAAmAAAAZAAAABYAAABMAAAAAAAAAAAAAAAEAAAAAAAAAAEAAACAgIAKAAAAACgAAAAoAAAAZAAAAGQAAAAAAAAAzMzMAAAAAABQAAAAUAAAAGQAAABkAAAAAAAAABcAAAAUAAAAAAAAAAAAAAD/fwAA/38AAAAAAAAJAAAABAAAAAEAAAAMAAAAEAAAAAAAAAAAAAAAAAAAAAAAAAAeAAAAaAAAAAAAAAAAAAAAAAAAAAAAAAAAAAAAECcAABAnAAAAAAAAAAAAAAAAAAAAAAAAAAAAAAAAAAAAAAAAPAAAABQAAAAoAAAAHh4eAAAAAABkAAAAMgAAAAAAAABkAAAAAAAAAH9/fwAKAAAAHwAAAFQAAAC74OMF////AQAAAAAAAAAAAAAAAAAAAAAAAAAAAAAAAAAAAAAAAAAAHh4eAH9/fwCAgIADzMzMAB4eHgB/f38AAAAAAAAAAAAAAAAAAAAAAAAAAAAhAAAAGAAAABQAAADMGQAApRQAAKceAACAGQAAEAAAACYAAAAIAAAA//////////8="/>
               </a:ext>
             </a:extLst>
           </p:cNvSpPr>
@@ -7980,7 +7980,7 @@
           <p:cNvSpPr>
             <a:extLst>
               <a:ext uri="smNativeData">
-                <pr:smNativeData xmlns:pr="smNativeData" val="SMDATA_13_BbpsXRMAAAAlAAAAZAAAAA8BAAAAkAAAAEgAAACQAAAASAAAAAAAAAAAAAAAAAAAAAEAAABQAAAAAAAAAAAA4D8AAAAAAADgPwAAAAAAAOA/AAAAAAAA4D8AAAAAAADgPwAAAAAAAOA/AAAAAAAA4D8AAAAAAADgPwAAAAAAAOA/AAAAAAAA4D8CAAAAjAAAAAAAAAAAAAAAu+DjDP///wgAAAAAAAAAAAAAAAAAAAAAAAAAAAAAAAAAAAAAZAAAAAEAAABAAAAAAAAAAAAAAAAAAAAAAAAAAAAAAAAAAAAAAAAAAAAAAAAAAAAAAAAAAAAAAAAAAAAAAAAAAAAAAAAAAAAAAAAAAAAAAAAAAAAAAAAAAAAAAAAAAAAAFAAAADwAAAABAAAAAAAAAB4eHgB4AAAAAQAAAAYAAAAAAAAAAAAAAAAAAAAAAAAAZAAAAGQAAAAAAAAAZAAAAGQAAAAVAAAAYAAAAAAAAAAAAAAADwAAACADAAAAAAAAAAAAAAEAAACgMgAAAAAAAAAAAAABAAAAf39/AAEAAABkAAAAAAAAABQAAABAHwAAAAAAACYAAAAAAAAAwOD//wAAAAAmAAAAZAAAABYAAABMAAAAAAAAAAAAAAAEAAAAAAAAAAEAAACAgIAKAAAAACgAAAAoAAAAZAAAAGQAAAAAAAAAzMzMAAAAAABQAAAAUAAAAGQAAABkAAAAAAAAABcAAAAUAAAAAAAAAAAAAAD/fwAA/38AAAAAAAAJAAAABAAAAAEAAAAMAAAAEAAAAAAAAAAAAAAAAAAAAAAAAAAeAAAAaAAAAAAAAAAAAAAAAAAAAAAAAAAAAAAAECcAABAnAAAAAAAAAAAAAAAAAAAAAAAAAAAAAAAAAAAAAAAAPAAAABQAAAAoAAAAHh4eAAAAAABkAAAAMgAAAAAAAABkAAAAAAAAAH9/fwAKAAAAHwAAAFQAAAC74OMF////AQAAAAAAAAAAAAAAAAAAAAAAAAAAAAAAAAAAAAAAAAAAHh4eAH9/fwCAgIADzMzMAB4eHgB/f38AAAAAAAAAAAAAAAAAAAAAAAAAAAAhAAAAGAAAABQAAADMGQAAZRwAAKceAABAIQAAEAAAACYAAAAIAAAA//////////8="/>
+                <pr:smNativeData xmlns:pr="smNativeData" val="SMDATA_13_IrKAXRMAAAAlAAAAZAAAAA8BAAAAkAAAAEgAAACQAAAASAAAAAAAAAAAAAAAAAAAAAEAAABQAAAAAAAAAAAA4D8AAAAAAADgPwAAAAAAAOA/AAAAAAAA4D8AAAAAAADgPwAAAAAAAOA/AAAAAAAA4D8AAAAAAADgPwAAAAAAAOA/AAAAAAAA4D8CAAAAjAAAAAAAAAAAAAAAu+DjDP///wgAAAAAAAAAAAAAAAAAAAAAAAAAAAAAAAAAAAAAZAAAAAEAAABAAAAAAAAAAAAAAAAAAAAAAAAAAAAAAAAAAAAAAAAAAAAAAAAAAAAAAAAAAAAAAAAAAAAAAAAAAAAAAAAAAAAAAAAAAAAAAAAAAAAAAAAAAAAAAAAAAAAAFAAAADwAAAABAAAAAAAAAB4eHgB4AAAAAQAAAAYAAAAAAAAAAAAAAAAAAAAAAAAAZAAAAGQAAAAAAAAAZAAAAGQAAAAVAAAAYAAAAAAAAAAAAAAADwAAACADAAAAAAAAAAAAAAEAAACgMgAAAAAAAAAAAAABAAAAf39/AAEAAABkAAAAAAAAABQAAABAHwAAAAAAACYAAAAAAAAAwOD//wAAAAAmAAAAZAAAABYAAABMAAAAAAAAAAAAAAAEAAAAAAAAAAEAAACAgIAKAAAAACgAAAAoAAAAZAAAAGQAAAAAAAAAzMzMAAAAAABQAAAAUAAAAGQAAABkAAAAAAAAABcAAAAUAAAAAAAAAAAAAAD/fwAA/38AAAAAAAAJAAAABAAAAAEAAAAMAAAAEAAAAAAAAAAAAAAAAAAAAAAAAAAeAAAAaAAAAAAAAAAAAAAAAAAAAAAAAAAAAAAAECcAABAnAAAAAAAAAAAAAAAAAAAAAAAAAAAAAAAAAAAAAAAAPAAAABQAAAAoAAAAHh4eAAAAAABkAAAAMgAAAAAAAABkAAAAAAAAAH9/fwAKAAAAHwAAAFQAAAC74OMF////AQAAAAAAAAAAAAAAAAAAAAAAAAAAAAAAAAAAAAAAAAAAHh4eAH9/fwCAgIADzMzMAB4eHgB/f38AAAAAAAAAAAAAAAAAAAAAAAAAAAAhAAAAGAAAABQAAADMGQAAZRwAAKceAABAIQAAEAAAACYAAAAIAAAA//////////8="/>
               </a:ext>
             </a:extLst>
           </p:cNvSpPr>
@@ -8019,7 +8019,7 @@
           <p:cNvSpPr>
             <a:extLst>
               <a:ext uri="smNativeData">
-                <pr:smNativeData xmlns:pr="smNativeData" val="SMDATA_13_BbpsXRMAAAAlAAAAZAAAAA8BAAAAkAAAAEgAAACQAAAASAAAAAAAAAAAAAAAAAAAAAEAAABQAAAAAAAAAAAA4D8AAAAAAADgPwAAAAAAAOA/AAAAAAAA4D8AAAAAAADgPwAAAAAAAOA/AAAAAAAA4D8AAAAAAADgPwAAAAAAAOA/AAAAAAAA4D8CAAAAjAAAAAAAAAAAAAAAu+DjDP///wgAAAAAAAAAAAAAAAAAAAAAAAAAAAAAAAAAAAAAZAAAAAEAAABAAAAAAAAAAAAAAAAAAAAAAAAAAAAAAAAAAAAAAAAAAAAAAAAAAAAAAAAAAAAAAAAAAAAAAAAAAAAAAAAAAAAAAAAAAAAAAAAAAAAAAAAAAAAAAAAAAAAAFAAAADwAAAABAAAAAAAAAB4eHgB4AAAAAQAAAAYAAAAAAAAAAAAAAAAAAAAAAAAAZAAAAGQAAAAAAAAAZAAAAGQAAAAVAAAAYAAAAAAAAAAAAAAADwAAACADAAAAAAAAAAAAAAEAAACgMgAAAAAAAAAAAAABAAAAf39/AAEAAABkAAAAAAAAABQAAABAHwAAAAAAACYAAAAAAAAAwOD//wAAAAAmAAAAZAAAABYAAABMAAAAAAAAAAAAAAAEAAAAAAAAAAEAAACAgIAKAAAAACgAAAAoAAAAZAAAAGQAAAAAAAAAzMzMAAAAAABQAAAAUAAAAGQAAABkAAAAAAAAABcAAAAUAAAAAAAAAAAAAAD/fwAA/38AAAAAAAAJAAAABAAAAAEAAAAMAAAAEAAAAAAAAAAAAAAAAAAAAAAAAAAeAAAAaAAAAAAAAAAAAAAAAAAAAAAAAAAAAAAAECcAABAnAAAAAAAAAAAAAAAAAAAAAAAAAAAAAAAAAAAAAAAAPAAAABQAAAAoAAAAHh4eAAAAAABkAAAAMgAAAAAAAABkAAAAAAAAAH9/fwAKAAAAHwAAAFQAAAC74OMF////AQAAAAAAAAAAAAAAAAAAAAAAAAAAAAAAAAAAAAAAAAAAHh4eAH9/fwCAgIADzMzMAB4eHgB/f38AAAAAAAAAAAAAAAAAAAAAAAAAAAAhAAAAGAAAABQAAAA3DAAAGCQAABIRAADzKAAAEAAAACYAAAAIAAAA//////////8="/>
+                <pr:smNativeData xmlns:pr="smNativeData" val="SMDATA_13_IrKAXRMAAAAlAAAAZAAAAA8BAAAAkAAAAEgAAACQAAAASAAAAAAAAAAAAAAAAAAAAAEAAABQAAAAAAAAAAAA4D8AAAAAAADgPwAAAAAAAOA/AAAAAAAA4D8AAAAAAADgPwAAAAAAAOA/AAAAAAAA4D8AAAAAAADgPwAAAAAAAOA/AAAAAAAA4D8CAAAAjAAAAAAAAAAAAAAAu+DjDP///wgAAAAAAAAAAAAAAAAAAAAAAAAAAAAAAAAAAAAAZAAAAAEAAABAAAAAAAAAAAAAAAAAAAAAAAAAAAAAAAAAAAAAAAAAAAAAAAAAAAAAAAAAAAAAAAAAAAAAAAAAAAAAAAAAAAAAAAAAAAAAAAAAAAAAAAAAAAAAAAAAAAAAFAAAADwAAAABAAAAAAAAAB4eHgB4AAAAAQAAAAYAAAAAAAAAAAAAAAAAAAAAAAAAZAAAAGQAAAAAAAAAZAAAAGQAAAAVAAAAYAAAAAAAAAAAAAAADwAAACADAAAAAAAAAAAAAAEAAACgMgAAAAAAAAAAAAABAAAAf39/AAEAAABkAAAAAAAAABQAAABAHwAAAAAAACYAAAAAAAAAwOD//wAAAAAmAAAAZAAAABYAAABMAAAAAAAAAAAAAAAEAAAAAAAAAAEAAACAgIAKAAAAACgAAAAoAAAAZAAAAGQAAAAAAAAAzMzMAAAAAABQAAAAUAAAAGQAAABkAAAAAAAAABcAAAAUAAAAAAAAAAAAAAD/fwAA/38AAAAAAAAJAAAABAAAAAEAAAAMAAAAEAAAAAAAAAAAAAAAAAAAAAAAAAAeAAAAaAAAAAAAAAAAAAAAAAAAAAAAAAAAAAAAECcAABAnAAAAAAAAAAAAAAAAAAAAAAAAAAAAAAAAAAAAAAAAPAAAABQAAAAoAAAAHh4eAAAAAABkAAAAMgAAAAAAAABkAAAAAAAAAH9/fwAKAAAAHwAAAFQAAAC74OMF////AQAAAAAAAAAAAAAAAAAAAAAAAAAAAAAAAAAAAAAAAAAAHh4eAH9/fwCAgIADzMzMAB4eHgB/f38AAAAAAAAAAAAAAAAAAAAAAAAAAAAhAAAAGAAAABQAAAA3DAAAGCQAABIRAADzKAAAEAAAACYAAAAIAAAA//////////8="/>
               </a:ext>
             </a:extLst>
           </p:cNvSpPr>
@@ -8058,7 +8058,7 @@
           <p:cNvSpPr>
             <a:extLst>
               <a:ext uri="smNativeData">
-                <pr:smNativeData xmlns:pr="smNativeData" val="SMDATA_13_BbpsXRMAAAAlAAAAZAAAAA8BAAAAkAAAAEgAAACQAAAASAAAAAAAAAAAAAAAAAAAAAEAAABQAAAAAAAAAAAA4D8AAAAAAADgPwAAAAAAAOA/AAAAAAAA4D8AAAAAAADgPwAAAAAAAOA/AAAAAAAA4D8AAAAAAADgPwAAAAAAAOA/AAAAAAAA4D8CAAAAjAAAAAAAAAAAAAAAu+DjDP///wgAAAAAAAAAAAAAAAAAAAAAAAAAAAAAAAAAAAAAZAAAAAEAAABAAAAAAAAAAAAAAAAAAAAAAAAAAAAAAAAAAAAAAAAAAAAAAAAAAAAAAAAAAAAAAAAAAAAAAAAAAAAAAAAAAAAAAAAAAAAAAAAAAAAAAAAAAAAAAAAAAAAAFAAAADwAAAABAAAAAAAAAB4eHgB4AAAAAQAAAAYAAAAAAAAAAAAAAAAAAAAAAAAAZAAAAGQAAAAAAAAAZAAAAGQAAAAVAAAAYAAAAAAAAAAAAAAADwAAACADAAAAAAAAAAAAAAEAAACgMgAAAAAAAAAAAAABAAAAf39/AAEAAABkAAAAAAAAABQAAABAHwAAAAAAACYAAAAAAAAAwOD//wAAAAAmAAAAZAAAABYAAABMAAAAAAAAAAAAAAAEAAAAAAAAAAEAAACAgIAKAAAAACgAAAAoAAAAZAAAAGQAAAAAAAAAzMzMAAAAAABQAAAAUAAAAGQAAABkAAAAAAAAABcAAAAUAAAAAAAAAAAAAAD/fwAA/38AAAAAAAAJAAAABAAAAAEAAAAMAAAAEAAAAAAAAAAAAAAAAAAAAAAAAAAeAAAAaAAAAAAAAAAAAAAAAAAAAAAAAAAAAAAAECcAABAnAAAAAAAAAAAAAAAAAAAAAAAAAAAAAAAAAAAAAAAAPAAAABQAAAAoAAAAHh4eAAAAAABkAAAAMgAAAAAAAABkAAAAAAAAAH9/fwAKAAAAHwAAAFQAAAC74OMF////AQAAAAAAAAAAAAAAAAAAAAAAAAAAAAAAAAAAAAAAAAAAHh4eAH9/fwCAgIADzMzMAB4eHgB/f38AAAAAAAAAAAAAAAAAAAAAAAAAAAAhAAAAGAAAABQAAABcDAAApRQAADcRAACAGQAAEAAAACYAAAAIAAAA//////////8="/>
+                <pr:smNativeData xmlns:pr="smNativeData" val="SMDATA_13_IrKAXRMAAAAlAAAAZAAAAA8BAAAAkAAAAEgAAACQAAAASAAAAAAAAAAAAAAAAAAAAAEAAABQAAAAAAAAAAAA4D8AAAAAAADgPwAAAAAAAOA/AAAAAAAA4D8AAAAAAADgPwAAAAAAAOA/AAAAAAAA4D8AAAAAAADgPwAAAAAAAOA/AAAAAAAA4D8CAAAAjAAAAAAAAAAAAAAAu+DjDP///wgAAAAAAAAAAAAAAAAAAAAAAAAAAAAAAAAAAAAAZAAAAAEAAABAAAAAAAAAAAAAAAAAAAAAAAAAAAAAAAAAAAAAAAAAAAAAAAAAAAAAAAAAAAAAAAAAAAAAAAAAAAAAAAAAAAAAAAAAAAAAAAAAAAAAAAAAAAAAAAAAAAAAFAAAADwAAAABAAAAAAAAAB4eHgB4AAAAAQAAAAYAAAAAAAAAAAAAAAAAAAAAAAAAZAAAAGQAAAAAAAAAZAAAAGQAAAAVAAAAYAAAAAAAAAAAAAAADwAAACADAAAAAAAAAAAAAAEAAACgMgAAAAAAAAAAAAABAAAAf39/AAEAAABkAAAAAAAAABQAAABAHwAAAAAAACYAAAAAAAAAwOD//wAAAAAmAAAAZAAAABYAAABMAAAAAAAAAAAAAAAEAAAAAAAAAAEAAACAgIAKAAAAACgAAAAoAAAAZAAAAGQAAAAAAAAAzMzMAAAAAABQAAAAUAAAAGQAAABkAAAAAAAAABcAAAAUAAAAAAAAAAAAAAD/fwAA/38AAAAAAAAJAAAABAAAAAEAAAAMAAAAEAAAAAAAAAAAAAAAAAAAAAAAAAAeAAAAaAAAAAAAAAAAAAAAAAAAAAAAAAAAAAAAECcAABAnAAAAAAAAAAAAAAAAAAAAAAAAAAAAAAAAAAAAAAAAPAAAABQAAAAoAAAAHh4eAAAAAABkAAAAMgAAAAAAAABkAAAAAAAAAH9/fwAKAAAAHwAAAFQAAAC74OMF////AQAAAAAAAAAAAAAAAAAAAAAAAAAAAAAAAAAAAAAAAAAAHh4eAH9/fwCAgIADzMzMAB4eHgB/f38AAAAAAAAAAAAAAAAAAAAAAAAAAAAhAAAAGAAAABQAAABcDAAApRQAADcRAACAGQAAEAAAACYAAAAIAAAA//////////8="/>
               </a:ext>
             </a:extLst>
           </p:cNvSpPr>
@@ -8097,7 +8097,7 @@
           <p:cNvSpPr>
             <a:extLst>
               <a:ext uri="smNativeData">
-                <pr:smNativeData xmlns:pr="smNativeData" val="SMDATA_13_BbpsXRMAAAAlAAAAZAAAAA8BAAAAkAAAAEgAAACQAAAASAAAAAAAAAAAAAAAAAAAAAEAAABQAAAAAAAAAAAA4D8AAAAAAADgPwAAAAAAAOA/AAAAAAAA4D8AAAAAAADgPwAAAAAAAOA/AAAAAAAA4D8AAAAAAADgPwAAAAAAAOA/AAAAAAAA4D8CAAAAjAAAAAAAAAAAAAAAu+DjDP///wgAAAAAAAAAAAAAAAAAAAAAAAAAAAAAAAAAAAAAZAAAAAEAAABAAAAAAAAAAAAAAAAAAAAAAAAAAAAAAAAAAAAAAAAAAAAAAAAAAAAAAAAAAAAAAAAAAAAAAAAAAAAAAAAAAAAAAAAAAAAAAAAAAAAAAAAAAAAAAAAAAAAAFAAAADwAAAABAAAAAAAAABx9HAA8AAAAAQAAAAMAAAAAAAAAAAAAAAAAAAAAAAAAZAAAAGQAAAAAAAAAZAAAAGQAAAAVAAAAYAAAAAAAAAAAAAAADwAAACADAAAAAAAAAAAAAAEAAACgMgAAAAAAAAAAAAABAAAAf39/AAEAAABkAAAAAAAAABQAAABAHwAAAAAAACYAAAAAAAAAwOD//wAAAAAmAAAAZAAAABYAAABMAAAAAAAAAAAAAAAEAAAAAAAAAAEAAACAgIAKAAAAACgAAAAoAAAAZAAAAGQAAAAAAAAAzMzMAAAAAABQAAAAUAAAAGQAAABkAAAAAAAAABcAAAAUAAAAAAAAAAAAAAD/fwAA/38AAAAAAAAJAAAABAAAAAAAAAAMAAAAEAAAAAAAAAAAAAAAAAAAAAAAAAAeAAAAaAAAAAAAAAAAAAAAAAAAAAAAAAAAAAAAECcAABAnAAAAAAAAAAAAAAAAAAAAAAAAAAAAAAAAAAAAAAAAPAAAABQAAAAoAAAAHH0cAAAAAABkAAAAMgAAAAAAAABkAAAAAAAAAH9/fwAKAAAAHwAAAFQAAAC74OMF////AQAAAAAAAAAAAAAAAAAAAAAAAAAAAAAAAAAAAAAAAAAAHH0cAH9/fwCAgIADzMzMABx9HAB/f38AAAAAAAAAAAAAAAAAAAAAAAAAAAAhAAAAGAAAABQAAAAnCgAAUhMAAGwTAABEGwAAEAAAACYAAAAIAAAA//////////8="/>
+                <pr:smNativeData xmlns:pr="smNativeData" val="SMDATA_13_IrKAXRMAAAAlAAAAZAAAAA8BAAAAkAAAAEgAAACQAAAASAAAAAAAAAAAAAAAAAAAAAEAAABQAAAAAAAAAAAA4D8AAAAAAADgPwAAAAAAAOA/AAAAAAAA4D8AAAAAAADgPwAAAAAAAOA/AAAAAAAA4D8AAAAAAADgPwAAAAAAAOA/AAAAAAAA4D8CAAAAjAAAAAAAAAAAAAAAu+DjDP///wgAAAAAAAAAAAAAAAAAAAAAAAAAAAAAAAAAAAAAZAAAAAEAAABAAAAAAAAAAAAAAAAAAAAAAAAAAAAAAAAAAAAAAAAAAAAAAAAAAAAAAAAAAAAAAAAAAAAAAAAAAAAAAAAAAAAAAAAAAAAAAAAAAAAAAAAAAAAAAAAAAAAAFAAAADwAAAABAAAAAAAAABx9HAA8AAAAAQAAAAMAAAAAAAAAAAAAAAAAAAAAAAAAZAAAAGQAAAAAAAAAZAAAAGQAAAAVAAAAYAAAAAAAAAAAAAAADwAAACADAAAAAAAAAAAAAAEAAACgMgAAAAAAAAAAAAABAAAAf39/AAEAAABkAAAAAAAAABQAAABAHwAAAAAAACYAAAAAAAAAwOD//wAAAAAmAAAAZAAAABYAAABMAAAAAAAAAAAAAAAEAAAAAAAAAAEAAACAgIAKAAAAACgAAAAoAAAAZAAAAGQAAAAAAAAAzMzMAAAAAABQAAAAUAAAAGQAAABkAAAAAAAAABcAAAAUAAAAAAAAAAAAAAD/fwAA/38AAAAAAAAJAAAABAAAAAAAAAAMAAAAEAAAAAAAAAAAAAAAAAAAAAAAAAAeAAAAaAAAAAAAAAAAAAAAAAAAAAAAAAAAAAAAECcAABAnAAAAAAAAAAAAAAAAAAAAAAAAAAAAAAAAAAAAAAAAPAAAABQAAAAoAAAAHH0cAAAAAABkAAAAMgAAAAAAAABkAAAAAAAAAH9/fwAKAAAAHwAAAFQAAAC74OMF////AQAAAAAAAAAAAAAAAAAAAAAAAAAAAAAAAAAAAAAAAAAAHH0cAH9/fwCAgIADzMzMABx9HAB/f38AAAAAAAAAAAAAAAAAAAAAAAAAAAAhAAAAGAAAABQAAAAnCgAAUhMAAGwTAABEGwAAEAAAACYAAAAIAAAA//////////8="/>
               </a:ext>
             </a:extLst>
           </p:cNvSpPr>
@@ -8136,7 +8136,7 @@
           <p:cNvSpPr txBox="1">
             <a:extLst>
               <a:ext uri="smNativeData">
-                <pr:smNativeData xmlns:pr="smNativeData" val="SMDATA_13_BbpsXRMAAAAlAAAAEgAAAE8BAAAAkAAAAEgAAACQAAAASAAAAAAAAAAAAAAAAAAAAAEAAABQAAAAAAAAAAAA4D8AAAAAAADgPwAAAAAAAOA/AAAAAAAA4D8AAAAAAADgPwAAAAAAAOA/AAAAAAAA4D8AAAAAAADgPwAAAAAAAOA/AAAAAAAA4D8CAAAAjAAAAAAAAAAAAAAAu+DjDP///wgAAAAAAAAAAAAAAAAAAAAAAAAAAAAAAAAAAAAAZAAAAAEAAABAAAAAAAAAAAAAAAAAAAAAAAAAAAAAAAAAAAAAAAAAAAAAAAAAAAAAAAAAAAAAAAAAAAAAAAAAAAAAAAAAAAAAAAAAAAAAAAAAAAAAAAAAAAAAAAAAAAAAFAAAADwAAAAAAAAAAAAAAAAAAAkUAAAAAQAAABQAAAAUAAAAFAAAAAEAAAAAAAAAZAAAAGQAAAAAAAAAZAAAAGQAAAAVAAAAYAAAAAAAAAAAAAAADwAAACADAAAAAAAAAAAAAAEAAACgMgAAVgcAAKr4//8BAAAAf39/AAEAAABkAAAAAAAAABQAAABAHwAAAAAAACYAAAAAAAAAwOD//wAAAAAmAAAAZAAAABYAAABMAAAAAAAAAAAAAAAEAAAAAAAAAAEAAACAgIAKAAAAACgAAAAoAAAAZAAAAGQAAAAAAAAAzMzMAAAAAABQAAAAUAAAAGQAAABkAAAAAAAAABcAAAAUAAAAAAAAANwIAAD/fwAA/38AAAAAAAAJAAAABAAAAAAAAAAMAAAAEAAAAAAAAAAAAAAAAAAAAAAAAAAeAAAAaAAAAAAAAAAAAAAAAAAAAAAAAAAAAAAAECcAABAnAAAAAAAAAAAAAAAAAAAAAAAAAAAAAAAAAAAAAAAAAAAAABQAAAAAAAAAwMD/AAAAAABkAAAAMgAAAAAAAABkAAAAAAAAAH9/fwAKAAAAHwAAAFQAAAC74OMF////AQAAAAAAAAAAAAAAAAAAAAAAAAAAAAAAAAAAAAAAAAAAAAAAAn9/fwCAgIADzMzMAMDA/wB/f38AAAAAAAAAAAAAAAAAAAAAAAAAAAAhAAAAGAAAABQAAAADGgAA5woAAHUeAAB3DgAAECAAACYAAAAIAAAA//////////8="/>
+                <pr:smNativeData xmlns:pr="smNativeData" val="SMDATA_13_IrKAXRMAAAAlAAAAEgAAAE8BAAAAkAAAAEgAAACQAAAASAAAAAAAAAAAAAAAAAAAAAEAAABQAAAAAAAAAAAA4D8AAAAAAADgPwAAAAAAAOA/AAAAAAAA4D8AAAAAAADgPwAAAAAAAOA/AAAAAAAA4D8AAAAAAADgPwAAAAAAAOA/AAAAAAAA4D8CAAAAjAAAAAAAAAAAAAAAu+DjDP///wgAAAAAAAAAAAAAAAAAAAAAAAAAAAAAAAAAAAAAZAAAAAEAAABAAAAAAAAAAAAAAAAAAAAAAAAAAAAAAAAAAAAAAAAAAAAAAAAAAAAAAAAAAAAAAAAAAAAAAAAAAAAAAAAAAAAAAAAAAAAAAAAAAAAAAAAAAAAAAAAAAAAAFAAAADwAAAAAAAAAAAAAAAAAAAkUAAAAAQAAABQAAAAUAAAAFAAAAAEAAAAAAAAAZAAAAGQAAAAAAAAAZAAAAGQAAAAVAAAAYAAAAAAAAAAAAAAADwAAACADAAAAAAAAAAAAAAEAAACgMgAAVgcAAKr4//8BAAAAf39/AAEAAABkAAAAAAAAABQAAABAHwAAAAAAACYAAAAAAAAAwOD//wAAAAAmAAAAZAAAABYAAABMAAAAAAAAAAAAAAAEAAAAAAAAAAEAAACAgIAKAAAAACgAAAAoAAAAZAAAAGQAAAAAAAAAzMzMAAAAAABQAAAAUAAAAGQAAABkAAAAAAAAABcAAAAUAAAAAAAAANwIAAD/fwAA/38AAAAAAAAJAAAABAAAAAAAAAAMAAAAEAAAAAAAAAAAAAAAAAAAAAAAAAAeAAAAaAAAAAAAAAAAAAAAAAAAAAAAAAAAAAAAECcAABAnAAAAAAAAAAAAAAAAAAAAAAAAAAAAAAAAAAAAAAAAAAAAABQAAAAAAAAAwMD/AAAAAABkAAAAMgAAAAAAAABkAAAAAAAAAH9/fwAKAAAAHwAAAFQAAAC74OMF////AQAAAAAAAAAAAAAAAAAAAAAAAAAAAAAAAAAAAAAAAAAAAAAAAn9/fwCAgIADzMzMAMDA/wB/f38AAAAAAAAAAAAAAAAAAAAAAAAAAAAhAAAAGAAAABQAAAADGgAA5woAAHUeAAB3DgAAECAAACYAAAAIAAAA//////////8="/>
               </a:ext>
             </a:extLst>
           </p:cNvSpPr>
@@ -8199,7 +8199,7 @@
           <p:cNvSpPr txBox="1">
             <a:extLst>
               <a:ext uri="smNativeData">
-                <pr:smNativeData xmlns:pr="smNativeData" val="SMDATA_13_BbpsXRMAAAAlAAAAEgAAAE8BAAAAkAAAAEgAAACQAAAASAAAAAAAAAAAAAAAAAAAAAEAAABQAAAAAAAAAAAA4D8AAAAAAADgPwAAAAAAAOA/AAAAAAAA4D8AAAAAAADgPwAAAAAAAOA/AAAAAAAA4D8AAAAAAADgPwAAAAAAAOA/AAAAAAAA4D8CAAAAjAAAAAAAAAAAAAAAu+DjDP///wgAAAAAAAAAAAAAAAAAAAAAAAAAAAAAAAAAAAAAZAAAAAEAAABAAAAAAAAAAAAAAAAAAAAAAAAAAAAAAAAAAAAAAAAAAAAAAAAAAAAAAAAAAAAAAAAAAAAAAAAAAAAAAAAAAAAAAAAAAAAAAAAAAAAAAAAAAAAAAAAAAAAAFAAAADwAAAAAAAAAAAAAAAAAAAkUAAAAAQAAABQAAAAUAAAAFAAAAAEAAAAAAAAAZAAAAGQAAAAAAAAAZAAAAGQAAAAVAAAAYAAAAAAAAAAAAAAADwAAACADAAAAAAAAAAAAAAEAAACgMgAAVgcAAKr4//8BAAAAf39/AAEAAABkAAAAAAAAABQAAABAHwAAAAAAACYAAAAAAAAAwOD//wAAAAAmAAAAZAAAABYAAABMAAAAAAAAAAAAAAAEAAAAAAAAAAEAAACAgIAKAAAAACgAAAAoAAAAZAAAAGQAAAAAAAAAzMzMAAAAAABQAAAAUAAAAGQAAABkAAAAAAAAABcAAAAUAAAAAAAAANwIAAD/fwAA/38AAAAAAAAJAAAABAAAAAAAAAAMAAAAEAAAAAAAAAAAAAAAAAAAAAAAAAAeAAAAaAAAAAAAAAAAAAAAAAAAAAAAAAAAAAAAECcAABAnAAAAAAAAAAAAAAAAAAAAAAAAAAAAAAAAAAAAAAAAAAAAABQAAAAAAAAAwMD/AAAAAABkAAAAMgAAAAAAAABkAAAAAAAAAH9/fwAKAAAAHwAAAFQAAAC74OMF////AQAAAAAAAAAAAAAAAAAAAAAAAAAAAAAAAAAAAAAAAAAAAAAAAn9/fwCAgIADzMzMAMDA/wB/f38AAAAAAAAAAAAAAAAAAAAAAAAAAAAhAAAAGAAAABQAAAB6CwAADhUAABkSAADeFwAAECAAACYAAAAIAAAA//////////8="/>
+                <pr:smNativeData xmlns:pr="smNativeData" val="SMDATA_13_IrKAXRMAAAAlAAAAEgAAAE8BAAAAkAAAAEgAAACQAAAASAAAAAAAAAAAAAAAAAAAAAEAAABQAAAAAAAAAAAA4D8AAAAAAADgPwAAAAAAAOA/AAAAAAAA4D8AAAAAAADgPwAAAAAAAOA/AAAAAAAA4D8AAAAAAADgPwAAAAAAAOA/AAAAAAAA4D8CAAAAjAAAAAAAAAAAAAAAu+DjDP///wgAAAAAAAAAAAAAAAAAAAAAAAAAAAAAAAAAAAAAZAAAAAEAAABAAAAAAAAAAAAAAAAAAAAAAAAAAAAAAAAAAAAAAAAAAAAAAAAAAAAAAAAAAAAAAAAAAAAAAAAAAAAAAAAAAAAAAAAAAAAAAAAAAAAAAAAAAAAAAAAAAAAAFAAAADwAAAAAAAAAAAAAAAAAAAkUAAAAAQAAABQAAAAUAAAAFAAAAAEAAAAAAAAAZAAAAGQAAAAAAAAAZAAAAGQAAAAVAAAAYAAAAAAAAAAAAAAADwAAACADAAAAAAAAAAAAAAEAAACgMgAAVgcAAKr4//8BAAAAf39/AAEAAABkAAAAAAAAABQAAABAHwAAAAAAACYAAAAAAAAAwOD//wAAAAAmAAAAZAAAABYAAABMAAAAAAAAAAAAAAAEAAAAAAAAAAEAAACAgIAKAAAAACgAAAAoAAAAZAAAAGQAAAAAAAAAzMzMAAAAAABQAAAAUAAAAGQAAABkAAAAAAAAABcAAAAUAAAAAAAAANwIAAD/fwAA/38AAAAAAAAJAAAABAAAAAAAAAAMAAAAEAAAAAAAAAAAAAAAAAAAAAAAAAAeAAAAaAAAAAAAAAAAAAAAAAAAAAAAAAAAAAAAECcAABAnAAAAAAAAAAAAAAAAAAAAAAAAAAAAAAAAAAAAAAAAAAAAABQAAAAAAAAAwMD/AAAAAABkAAAAMgAAAAAAAABkAAAAAAAAAH9/fwAKAAAAHwAAAFQAAAC74OMF////AQAAAAAAAAAAAAAAAAAAAAAAAAAAAAAAAAAAAAAAAAAAAAAAAn9/fwCAgIADzMzMAMDA/wB/f38AAAAAAAAAAAAAAAAAAAAAAAAAAAAhAAAAGAAAABQAAAB6CwAADhUAABkSAADeFwAAECAAACYAAAAIAAAA//////////8="/>
               </a:ext>
             </a:extLst>
           </p:cNvSpPr>
@@ -8260,7 +8260,7 @@
           <p:cNvSpPr txBox="1">
             <a:extLst>
               <a:ext uri="smNativeData">
-                <pr:smNativeData xmlns:pr="smNativeData" val="SMDATA_13_BbpsXRMAAAAlAAAAEgAAAE8BAAAAkAAAAEgAAACQAAAASAAAAAAAAAAAAAAAAAAAAAEAAABQAAAAAAAAAAAA4D8AAAAAAADgPwAAAAAAAOA/AAAAAAAA4D8AAAAAAADgPwAAAAAAAOA/AAAAAAAA4D8AAAAAAADgPwAAAAAAAOA/AAAAAAAA4D8CAAAAjAAAAAAAAAAAAAAAu+DjDP///wgAAAAAAAAAAAAAAAAAAAAAAAAAAAAAAAAAAAAAZAAAAAEAAABAAAAAAAAAAAAAAAAAAAAAAAAAAAAAAAAAAAAAAAAAAAAAAAAAAAAAAAAAAAAAAAAAAAAAAAAAAAAAAAAAAAAAAAAAAAAAAAAAAAAAAAAAAAAAAAAAAAAAFAAAADwAAAAAAAAAAAAAAAAAAAkUAAAAAQAAABQAAAAUAAAAFAAAAAEAAAAAAAAAZAAAAGQAAAAAAAAAZAAAAGQAAAAVAAAAYAAAAAAAAAAAAAAADwAAACADAAAAAAAAAAAAAAEAAACgMgAAVgcAAKr4//8BAAAAf39/AAEAAABkAAAAAAAAABQAAABAHwAAAAAAACYAAAAAAAAAwOD//wAAAAAmAAAAZAAAABYAAABMAAAAAAAAAAAAAAAEAAAAAAAAAAEAAACAgIAKAAAAACgAAAAoAAAAZAAAAGQAAAAAAAAAzMzMAAAAAABQAAAAUAAAAGQAAABkAAAAAAAAABcAAAAUAAAAAAAAANwIAAD/fwAA/38AAAAAAAAJAAAABAAAAAAAAAAMAAAAEAAAAAAAAAAAAAAAAAAAAAAAAAAeAAAAaAAAAAAAAAAAAAAAAAAAAAAAAAAAAAAAECcAABAnAAAAAAAAAAAAAAAAAAAAAAAAAAAAAAAAAAAAAAAAAAAAABQAAAAAAAAAwMD/AAAAAABkAAAAMgAAAAAAAABkAAAAAAAAAH9/fwAKAAAAHwAAAFQAAAC74OMF////AQAAAAAAAAAAAAAAAAAAAAAAAAAAAAAAAAAAAAAAAAAAAAAAAn9/fwCAgIADzMzMAMDA/wB/f38AAAAAAAAAAAAAAAAAAAAAAAAAAAAhAAAAGAAAABQAAAB6CwAA+iQAABkSAACqJgAAECAAACYAAAAIAAAA//////////8="/>
+                <pr:smNativeData xmlns:pr="smNativeData" val="SMDATA_13_IrKAXRMAAAAlAAAAEgAAAE8BAAAAkAAAAEgAAACQAAAASAAAAAAAAAAAAAAAAAAAAAEAAABQAAAAAAAAAAAA4D8AAAAAAADgPwAAAAAAAOA/AAAAAAAA4D8AAAAAAADgPwAAAAAAAOA/AAAAAAAA4D8AAAAAAADgPwAAAAAAAOA/AAAAAAAA4D8CAAAAjAAAAAAAAAAAAAAAu+DjDP///wgAAAAAAAAAAAAAAAAAAAAAAAAAAAAAAAAAAAAAZAAAAAEAAABAAAAAAAAAAAAAAAAAAAAAAAAAAAAAAAAAAAAAAAAAAAAAAAAAAAAAAAAAAAAAAAAAAAAAAAAAAAAAAAAAAAAAAAAAAAAAAAAAAAAAAAAAAAAAAAAAAAAAFAAAADwAAAAAAAAAAAAAAAAAAAkUAAAAAQAAABQAAAAUAAAAFAAAAAEAAAAAAAAAZAAAAGQAAAAAAAAAZAAAAGQAAAAVAAAAYAAAAAAAAAAAAAAADwAAACADAAAAAAAAAAAAAAEAAACgMgAAVgcAAKr4//8BAAAAf39/AAEAAABkAAAAAAAAABQAAABAHwAAAAAAACYAAAAAAAAAwOD//wAAAAAmAAAAZAAAABYAAABMAAAAAAAAAAAAAAAEAAAAAAAAAAEAAACAgIAKAAAAACgAAAAoAAAAZAAAAGQAAAAAAAAAzMzMAAAAAABQAAAAUAAAAGQAAABkAAAAAAAAABcAAAAUAAAAAAAAANwIAAD/fwAA/38AAAAAAAAJAAAABAAAAAAAAAAMAAAAEAAAAAAAAAAAAAAAAAAAAAAAAAAeAAAAaAAAAAAAAAAAAAAAAAAAAAAAAAAAAAAAECcAABAnAAAAAAAAAAAAAAAAAAAAAAAAAAAAAAAAAAAAAAAAAAAAABQAAAAAAAAAwMD/AAAAAABkAAAAMgAAAAAAAABkAAAAAAAAAH9/fwAKAAAAHwAAAFQAAAC74OMF////AQAAAAAAAAAAAAAAAAAAAAAAAAAAAAAAAAAAAAAAAAAAAAAAAn9/fwCAgIADzMzMAMDA/wB/f38AAAAAAAAAAAAAAAAAAAAAAAAAAAAhAAAAGAAAABQAAAB6CwAA+iQAABkSAACqJgAAECAAACYAAAAIAAAA//////////8="/>
               </a:ext>
             </a:extLst>
           </p:cNvSpPr>
@@ -8306,7 +8306,7 @@
           <p:cNvSpPr txBox="1">
             <a:extLst>
               <a:ext uri="smNativeData">
-                <pr:smNativeData xmlns:pr="smNativeData" val="SMDATA_13_BbpsXRMAAAAlAAAAEgAAAE8BAAAAkAAAAEgAAACQAAAASAAAAAAAAAAAAAAAAAAAAAEAAABQAAAAAAAAAAAA4D8AAAAAAADgPwAAAAAAAOA/AAAAAAAA4D8AAAAAAADgPwAAAAAAAOA/AAAAAAAA4D8AAAAAAADgPwAAAAAAAOA/AAAAAAAA4D8CAAAAjAAAAAAAAAAAAAAAu+DjDP///wgAAAAAAAAAAAAAAAAAAAAAAAAAAAAAAAAAAAAAZAAAAAEAAABAAAAAAAAAAAAAAAAAAAAAAAAAAAAAAAAAAAAAAAAAAAAAAAAAAAAAAAAAAAAAAAAAAAAAAAAAAAAAAAAAAAAAAAAAAAAAAAAAAAAAAAAAAAAAAAAAAAAAFAAAADwAAAAAAAAAAAAAAAAAAAkUAAAAAQAAABQAAAAUAAAAFAAAAAEAAAAAAAAAZAAAAGQAAAAAAAAAZAAAAGQAAAAVAAAAYAAAAAAAAAAAAAAADwAAACADAAAAAAAAAAAAAAEAAACgMgAAVgcAAKr4//8BAAAAf39/AAEAAABkAAAAAAAAABQAAABAHwAAAAAAACYAAAAAAAAAwOD//wAAAAAmAAAAZAAAABYAAABMAAAAAAAAAAAAAAAEAAAAAAAAAAEAAACAgIAKAAAAACgAAAAoAAAAZAAAAGQAAAAAAAAAzMzMAAAAAABQAAAAUAAAAGQAAABkAAAAAAAAABcAAAAUAAAAAAAAANwIAAD/fwAA/38AAAAAAAAJAAAABAAAAAAAAAAMAAAAEAAAAAAAAAAAAAAAAAAAAAAAAAAeAAAAaAAAAAAAAAAAAAAAAAAAAAAAAAAAAAAAECcAABAnAAAAAAAAAAAAAAAAAAAAAAAAAAAAAAAAAAAAAAAAAAAAABQAAAAAAAAAwMD/AAAAAABkAAAAMgAAAAAAAABkAAAAAAAAAH9/fwAKAAAAHwAAAFQAAAC74OMF////AQAAAAAAAAAAAAAAAAAAAAAAAAAAAAAAAAAAAAAAAAAAAAAAAn9/fwCAgIADzMzMAMDA/wB/f38AAAAAAAAAAAAAAAAAAAAAAAAAAAAhAAAAGAAAABQAAAC4GAAAjhUAAFcfAAA+FwAAECAAACYAAAAIAAAA//////////8="/>
+                <pr:smNativeData xmlns:pr="smNativeData" val="SMDATA_13_IrKAXRMAAAAlAAAAEgAAAE8BAAAAkAAAAEgAAACQAAAASAAAAAAAAAAAAAAAAAAAAAEAAABQAAAAAAAAAAAA4D8AAAAAAADgPwAAAAAAAOA/AAAAAAAA4D8AAAAAAADgPwAAAAAAAOA/AAAAAAAA4D8AAAAAAADgPwAAAAAAAOA/AAAAAAAA4D8CAAAAjAAAAAAAAAAAAAAAu+DjDP///wgAAAAAAAAAAAAAAAAAAAAAAAAAAAAAAAAAAAAAZAAAAAEAAABAAAAAAAAAAAAAAAAAAAAAAAAAAAAAAAAAAAAAAAAAAAAAAAAAAAAAAAAAAAAAAAAAAAAAAAAAAAAAAAAAAAAAAAAAAAAAAAAAAAAAAAAAAAAAAAAAAAAAFAAAADwAAAAAAAAAAAAAAAAAAAkUAAAAAQAAABQAAAAUAAAAFAAAAAEAAAAAAAAAZAAAAGQAAAAAAAAAZAAAAGQAAAAVAAAAYAAAAAAAAAAAAAAADwAAACADAAAAAAAAAAAAAAEAAACgMgAAVgcAAKr4//8BAAAAf39/AAEAAABkAAAAAAAAABQAAABAHwAAAAAAACYAAAAAAAAAwOD//wAAAAAmAAAAZAAAABYAAABMAAAAAAAAAAAAAAAEAAAAAAAAAAEAAACAgIAKAAAAACgAAAAoAAAAZAAAAGQAAAAAAAAAzMzMAAAAAABQAAAAUAAAAGQAAABkAAAAAAAAABcAAAAUAAAAAAAAANwIAAD/fwAA/38AAAAAAAAJAAAABAAAAAAAAAAMAAAAEAAAAAAAAAAAAAAAAAAAAAAAAAAeAAAAaAAAAAAAAAAAAAAAAAAAAAAAAAAAAAAAECcAABAnAAAAAAAAAAAAAAAAAAAAAAAAAAAAAAAAAAAAAAAAAAAAABQAAAAAAAAAwMD/AAAAAABkAAAAMgAAAAAAAABkAAAAAAAAAH9/fwAKAAAAHwAAAFQAAAC74OMF////AQAAAAAAAAAAAAAAAAAAAAAAAAAAAAAAAAAAAAAAAAAAAAAAAn9/fwCAgIADzMzMAMDA/wB/f38AAAAAAAAAAAAAAAAAAAAAAAAAAAAhAAAAGAAAABQAAAC4GAAAjhUAAFcfAAA+FwAAECAAACYAAAAIAAAA//////////8="/>
               </a:ext>
             </a:extLst>
           </p:cNvSpPr>
@@ -8352,7 +8352,7 @@
           <p:cNvSpPr txBox="1">
             <a:extLst>
               <a:ext uri="smNativeData">
-                <pr:smNativeData xmlns:pr="smNativeData" val="SMDATA_13_BbpsXRMAAAAlAAAAEgAAAE8BAAAAkAAAAEgAAACQAAAASAAAAAAAAAAAAAAAAAAAAAEAAABQAAAAAAAAAAAA4D8AAAAAAADgPwAAAAAAAOA/AAAAAAAA4D8AAAAAAADgPwAAAAAAAOA/AAAAAAAA4D8AAAAAAADgPwAAAAAAAOA/AAAAAAAA4D8CAAAAjAAAAAAAAAAAAAAAu+DjDP///wgAAAAAAAAAAAAAAAAAAAAAAAAAAAAAAAAAAAAAZAAAAAEAAABAAAAAAAAAAAAAAAAAAAAAAAAAAAAAAAAAAAAAAAAAAAAAAAAAAAAAAAAAAAAAAAAAAAAAAAAAAAAAAAAAAAAAAAAAAAAAAAAAAAAAAAAAAAAAAAAAAAAAFAAAADwAAAAAAAAAAAAAAAAAAAkUAAAAAQAAABQAAAAUAAAAFAAAAAEAAAAAAAAAZAAAAGQAAAAAAAAAZAAAAGQAAAAVAAAAYAAAAAAAAAAAAAAADwAAACADAAAAAAAAAAAAAAEAAACgMgAAVgcAAKr4//8BAAAAf39/AAEAAABkAAAAAAAAABQAAABAHwAAAAAAACYAAAAAAAAAwOD//wAAAAAmAAAAZAAAABYAAABMAAAAAAAAAAAAAAAEAAAAAAAAAAEAAACAgIAKAAAAACgAAAAoAAAAZAAAAGQAAAAAAAAAzMzMAAAAAABQAAAAUAAAAGQAAABkAAAAAAAAABcAAAAUAAAAAAAAANwIAAD/fwAA/38AAAAAAAAJAAAABAAAAAAAAAAMAAAAEAAAAAAAAAAAAAAAAAAAAAAAAAAeAAAAaAAAAAAAAAAAAAAAAAAAAAAAAAAAAAAAECcAABAnAAAAAAAAAAAAAAAAAAAAAAAAAAAAAAAAAAAAAAAAAAAAABQAAAAAAAAAwMD/AAAAAABkAAAAMgAAAAAAAABkAAAAAAAAAH9/fwAKAAAAHwAAAFQAAAC74OMF////AQAAAAAAAAAAAAAAAAAAAAAAAAAAAAAAAAAAAAAAAAAAAAAAAn9/fwCAgIADzMzMAMDA/wB/f38AAAAAAAAAAAAAAAAAAAAAAAAAAAAhAAAAGAAAABQAAAC4GAAAeR0AAFcfAAApHwAAECAAACYAAAAIAAAA//////////8="/>
+                <pr:smNativeData xmlns:pr="smNativeData" val="SMDATA_13_IrKAXRMAAAAlAAAAEgAAAE8BAAAAkAAAAEgAAACQAAAASAAAAAAAAAAAAAAAAAAAAAEAAABQAAAAAAAAAAAA4D8AAAAAAADgPwAAAAAAAOA/AAAAAAAA4D8AAAAAAADgPwAAAAAAAOA/AAAAAAAA4D8AAAAAAADgPwAAAAAAAOA/AAAAAAAA4D8CAAAAjAAAAAAAAAAAAAAAu+DjDP///wgAAAAAAAAAAAAAAAAAAAAAAAAAAAAAAAAAAAAAZAAAAAEAAABAAAAAAAAAAAAAAAAAAAAAAAAAAAAAAAAAAAAAAAAAAAAAAAAAAAAAAAAAAAAAAAAAAAAAAAAAAAAAAAAAAAAAAAAAAAAAAAAAAAAAAAAAAAAAAAAAAAAAFAAAADwAAAAAAAAAAAAAAAAAAAkUAAAAAQAAABQAAAAUAAAAFAAAAAEAAAAAAAAAZAAAAGQAAAAAAAAAZAAAAGQAAAAVAAAAYAAAAAAAAAAAAAAADwAAACADAAAAAAAAAAAAAAEAAACgMgAAVgcAAKr4//8BAAAAf39/AAEAAABkAAAAAAAAABQAAABAHwAAAAAAACYAAAAAAAAAwOD//wAAAAAmAAAAZAAAABYAAABMAAAAAAAAAAAAAAAEAAAAAAAAAAEAAACAgIAKAAAAACgAAAAoAAAAZAAAAGQAAAAAAAAAzMzMAAAAAABQAAAAUAAAAGQAAABkAAAAAAAAABcAAAAUAAAAAAAAANwIAAD/fwAA/38AAAAAAAAJAAAABAAAAAAAAAAMAAAAEAAAAAAAAAAAAAAAAAAAAAAAAAAeAAAAaAAAAAAAAAAAAAAAAAAAAAAAAAAAAAAAECcAABAnAAAAAAAAAAAAAAAAAAAAAAAAAAAAAAAAAAAAAAAAAAAAABQAAAAAAAAAwMD/AAAAAABkAAAAMgAAAAAAAABkAAAAAAAAAH9/fwAKAAAAHwAAAFQAAAC74OMF////AQAAAAAAAAAAAAAAAAAAAAAAAAAAAAAAAAAAAAAAAAAAAAAAAn9/fwCAgIADzMzMAMDA/wB/f38AAAAAAAAAAAAAAAAAAAAAAAAAAAAhAAAAGAAAABQAAAC4GAAAeR0AAFcfAAApHwAAECAAACYAAAAIAAAA//////////8="/>
               </a:ext>
             </a:extLst>
           </p:cNvSpPr>
@@ -8398,7 +8398,7 @@
           <p:cNvSpPr txBox="1">
             <a:extLst>
               <a:ext uri="smNativeData">
-                <pr:smNativeData xmlns:pr="smNativeData" val="SMDATA_13_BbpsXRMAAAAlAAAAEgAAAE8BAAAAkAAAAEgAAACQAAAASAAAAAAAAAAAAAAAAAAAAAEAAABQAAAAAAAAAAAA4D8AAAAAAADgPwAAAAAAAOA/AAAAAAAA4D8AAAAAAADgPwAAAAAAAOA/AAAAAAAA4D8AAAAAAADgPwAAAAAAAOA/AAAAAAAA4D8CAAAAjAAAAAAAAAAAAAAAu+DjDP///wgAAAAAAAAAAAAAAAAAAAAAAAAAAAAAAAAAAAAAZAAAAAEAAABAAAAAAAAAAAAAAAAAAAAAAAAAAAAAAAAAAAAAAAAAAAAAAAAAAAAAAAAAAAAAAAAAAAAAAAAAAAAAAAAAAAAAAAAAAAAAAAAAAAAAAAAAAAAAAAAAAAAAFAAAADwAAAAAAAAAAAAAAAAAAAkUAAAAAQAAABQAAAAUAAAAFAAAAAEAAAAAAAAAZAAAAGQAAAAAAAAAZAAAAGQAAAAVAAAAYAAAAAAAAAAAAAAADwAAACADAAAAAAAAAAAAAAEAAACgMgAAVgcAAKr4//8BAAAAf39/AAEAAABkAAAAAAAAABQAAABAHwAAAAAAACYAAAAAAAAAwOD//wAAAAAmAAAAZAAAABYAAABMAAAAAAAAAAAAAAAEAAAAAAAAAAEAAACAgIAKAAAAACgAAAAoAAAAZAAAAGQAAAAAAAAAzMzMAAAAAABQAAAAUAAAAGQAAABkAAAAAAAAABcAAAAUAAAAAAAAANwIAAD/fwAA/38AAAAAAAAJAAAABAAAAAAAAAAMAAAAEAAAAAAAAAAAAAAAAAAAAAAAAAAeAAAAaAAAAAAAAAAAAAAAAAAAAAAAAAAAAAAAECcAABAnAAAAAAAAAAAAAAAAAAAAAAAAAAAAAAAAAAAAAAAAAAAAABQAAAAAAAAAwMD/AAAAAABkAAAAMgAAAAAAAABkAAAAAAAAAH9/fwAKAAAAHwAAAFQAAAC74OMF////AQAAAAAAAAAAAAAAAAAAAAAAAAAAAAAAAAAAAAAAAAAAAAAAAn9/fwCAgIADzMzMAMDA/wB/f38AAAAAAAAAAAAAAAAAAAAAAAAAAAAhAAAAGAAAABQAAAD7EgAAyg8AAJoZAADaEQAAECAAACYAAAAIAAAA//////////8="/>
+                <pr:smNativeData xmlns:pr="smNativeData" val="SMDATA_13_IrKAXRMAAAAlAAAAEgAAAE8BAAAAkAAAAEgAAACQAAAASAAAAAAAAAAAAAAAAAAAAAEAAABQAAAAAAAAAAAA4D8AAAAAAADgPwAAAAAAAOA/AAAAAAAA4D8AAAAAAADgPwAAAAAAAOA/AAAAAAAA4D8AAAAAAADgPwAAAAAAAOA/AAAAAAAA4D8CAAAAjAAAAAAAAAAAAAAAu+DjDP///wgAAAAAAAAAAAAAAAAAAAAAAAAAAAAAAAAAAAAAZAAAAAEAAABAAAAAAAAAAAAAAAAAAAAAAAAAAAAAAAAAAAAAAAAAAAAAAAAAAAAAAAAAAAAAAAAAAAAAAAAAAAAAAAAAAAAAAAAAAAAAAAAAAAAAAAAAAAAAAAAAAAAAFAAAADwAAAAAAAAAAAAAAAAAAAkUAAAAAQAAABQAAAAUAAAAFAAAAAEAAAAAAAAAZAAAAGQAAAAAAAAAZAAAAGQAAAAVAAAAYAAAAAAAAAAAAAAADwAAACADAAAAAAAAAAAAAAEAAACgMgAAVgcAAKr4//8BAAAAf39/AAEAAABkAAAAAAAAABQAAABAHwAAAAAAACYAAAAAAAAAwOD//wAAAAAmAAAAZAAAABYAAABMAAAAAAAAAAAAAAAEAAAAAAAAAAEAAACAgIAKAAAAACgAAAAoAAAAZAAAAGQAAAAAAAAAzMzMAAAAAABQAAAAUAAAAGQAAABkAAAAAAAAABcAAAAUAAAAAAAAANwIAAD/fwAA/38AAAAAAAAJAAAABAAAAAAAAAAMAAAAEAAAAAAAAAAAAAAAAAAAAAAAAAAeAAAAaAAAAAAAAAAAAAAAAAAAAAAAAAAAAAAAECcAABAnAAAAAAAAAAAAAAAAAAAAAAAAAAAAAAAAAAAAAAAAAAAAABQAAAAAAAAAwMD/AAAAAABkAAAAMgAAAAAAAABkAAAAAAAAAH9/fwAKAAAAHwAAAFQAAAC74OMF////AQAAAAAAAAAAAAAAAAAAAAAAAAAAAAAAAAAAAAAAAAAAAAAAAn9/fwCAgIADzMzMAMDA/wB/f38AAAAAAAAAAAAAAAAAAAAAAAAAAAAhAAAAGAAAABQAAAD7EgAAyg8AAJoZAADaEQAAECAAACYAAAAIAAAA//////////8="/>
               </a:ext>
             </a:extLst>
           </p:cNvSpPr>
@@ -8444,7 +8444,7 @@
           <p:cNvSpPr txBox="1">
             <a:extLst>
               <a:ext uri="smNativeData">
-                <pr:smNativeData xmlns:pr="smNativeData" val="SMDATA_13_BbpsXRMAAAAlAAAAEgAAAE8BAAAAkAAAAEgAAACQAAAASAAAAAAAAAAAAAAAAAAAAAEAAABQAAAAAAAAAAAA4D8AAAAAAADgPwAAAAAAAOA/AAAAAAAA4D8AAAAAAADgPwAAAAAAAOA/AAAAAAAA4D8AAAAAAADgPwAAAAAAAOA/AAAAAAAA4D8CAAAAjAAAAAAAAAAAAAAAu+DjDP///wgAAAAAAAAAAAAAAAAAAAAAAAAAAAAAAAAAAAAAZAAAAAEAAABAAAAAAAAAAAAAAAAAAAAAAAAAAAAAAAAAAAAAAAAAAAAAAAAAAAAAAAAAAAAAAAAAAAAAAAAAAAAAAAAAAAAAAAAAAAAAAAAAAAAAAAAAAAAAAAAAAAAAFAAAADwAAAAAAAAAAAAAAAAAAAkUAAAAAQAAABQAAAAUAAAAFAAAAAEAAAAAAAAAZAAAAGQAAAAAAAAAZAAAAGQAAAAVAAAAYAAAAAAAAAAAAAAADwAAACADAAAAAAAAAAAAAAEAAACgMgAAVgcAAKr4//8BAAAAf39/AAEAAABkAAAAAAAAABQAAABAHwAAAAAAACYAAAAAAAAAwOD//wAAAAAmAAAAZAAAABYAAABMAAAAAAAAAAAAAAAEAAAAAAAAAAEAAACAgIAKAAAAACgAAAAoAAAAZAAAAGQAAAAAAAAAzMzMAAAAAABQAAAAUAAAAGQAAABkAAAAAAAAABcAAAAUAAAAAAAAANwIAAD/fwAA/38AAAAAAAAJAAAABAAAAAAAAAAMAAAAEAAAAAAAAAAAAAAAAAAAAAAAAAAeAAAAaAAAAAAAAAAAAAAAAAAAAAAAAAAAAAAAECcAABAnAAAAAAAAAAAAAAAAAAAAAAAAAAAAAAAAAAAAAAAAAAAAABQAAAAAAAAAwMD/AAAAAABkAAAAMgAAAAAAAABkAAAAAAAAAH9/fwAKAAAAHwAAAFQAAAC74OMF////AQAAAAAAAAAAAAAAAAAAAAAAAAAAAAAAAAAAAAAAAAAAAAAAAn9/fwCAgIADzMzMAMDA/wB/f38AAAAAAAAAAAAAAAAAAAAAAAAAAAAhAAAAGAAAABQAAADqGAAA0RAAAIkfAADhEgAAECAAACYAAAAIAAAA//////////8="/>
+                <pr:smNativeData xmlns:pr="smNativeData" val="SMDATA_13_IrKAXRMAAAAlAAAAEgAAAE8BAAAAkAAAAEgAAACQAAAASAAAAAAAAAAAAAAAAAAAAAEAAABQAAAAAAAAAAAA4D8AAAAAAADgPwAAAAAAAOA/AAAAAAAA4D8AAAAAAADgPwAAAAAAAOA/AAAAAAAA4D8AAAAAAADgPwAAAAAAAOA/AAAAAAAA4D8CAAAAjAAAAAAAAAAAAAAAu+DjDP///wgAAAAAAAAAAAAAAAAAAAAAAAAAAAAAAAAAAAAAZAAAAAEAAABAAAAAAAAAAAAAAAAAAAAAAAAAAAAAAAAAAAAAAAAAAAAAAAAAAAAAAAAAAAAAAAAAAAAAAAAAAAAAAAAAAAAAAAAAAAAAAAAAAAAAAAAAAAAAAAAAAAAAFAAAADwAAAAAAAAAAAAAAAAAAAkUAAAAAQAAABQAAAAUAAAAFAAAAAEAAAAAAAAAZAAAAGQAAAAAAAAAZAAAAGQAAAAVAAAAYAAAAAAAAAAAAAAADwAAACADAAAAAAAAAAAAAAEAAACgMgAAVgcAAKr4//8BAAAAf39/AAEAAABkAAAAAAAAABQAAABAHwAAAAAAACYAAAAAAAAAwOD//wAAAAAmAAAAZAAAABYAAABMAAAAAAAAAAAAAAAEAAAAAAAAAAEAAACAgIAKAAAAACgAAAAoAAAAZAAAAGQAAAAAAAAAzMzMAAAAAABQAAAAUAAAAGQAAABkAAAAAAAAABcAAAAUAAAAAAAAANwIAAD/fwAA/38AAAAAAAAJAAAABAAAAAAAAAAMAAAAEAAAAAAAAAAAAAAAAAAAAAAAAAAeAAAAaAAAAAAAAAAAAAAAAAAAAAAAAAAAAAAAECcAABAnAAAAAAAAAAAAAAAAAAAAAAAAAAAAAAAAAAAAAAAAAAAAABQAAAAAAAAAwMD/AAAAAABkAAAAMgAAAAAAAABkAAAAAAAAAH9/fwAKAAAAHwAAAFQAAAC74OMF////AQAAAAAAAAAAAAAAAAAAAAAAAAAAAAAAAAAAAAAAAAAAAAAAAn9/fwCAgIADzMzMAMDA/wB/f38AAAAAAAAAAAAAAAAAAAAAAAAAAAAhAAAAGAAAABQAAADqGAAA0RAAAIkfAADhEgAAECAAACYAAAAIAAAA//////////8="/>
               </a:ext>
             </a:extLst>
           </p:cNvSpPr>
@@ -8490,7 +8490,7 @@
           <p:cNvSpPr>
             <a:extLst>
               <a:ext uri="smNativeData">
-                <pr:smNativeData xmlns:pr="smNativeData" val="SMDATA_13_BbpsXRMAAAAlAAAAZAAAAA8BAAAAkAAAAEgAAACQAAAASAAAAAAAAAAAAAAAAAAAAAEAAABQAAAAAAAAAAAA4D8AAAAAAADgPwAAAAAAAOA/AAAAAAAA4D8AAAAAAADgPwAAAAAAAOA/AAAAAAAA4D8AAAAAAADgPwAAAAAAAOA/AAAAAAAA4D8CAAAAjAAAAAEAAAAAAAAAHh4eAP///wgAAAAAAAAAAAAAAAAAAAAAAAAAAAAAAAAAAAAAZAAAAAEAAABAAAAAAAAAAAAAAAAAAAAAAAAAAAAAAAAAAAAAAAAAAAAAAAAAAAAAAAAAAAAAAAAAAAAAAAAAAAAAAAAAAAAAAAAAAAAAAAAAAAAAAAAAAAAAAAAAAAAAFAAAADwAAAAAAAAAAAAAAAAAAAkAAAAAAQAAAAAAAAAAAAAAAAAAAAAAAAAAAAAAZAAAAGQAAAAAAAAAZAAAAGQAAAAVAAAAYAAAAAAAAAAAAAAADwAAACADAAAAAAAAAAAAAAEAAACgMgAAAAAAAAAAAAABAAAAf39/AAEAAABkAAAAAAAAABQAAABAHwAAAAAAACYAAAAAAAAAwOD//wAAAAAmAAAAZAAAABYAAABMAAAAAAAAAAAAAAAEAAAAAAAAAAEAAACAgIAKAAAAACgAAAAoAAAAZAAAAGQAAAAAAAAAzMzMAAAAAABQAAAAUAAAAGQAAABkAAAAAAAAABcAAAAUAAAAAAAAAAAAAAD/fwAA/38AAAAAAAAJAAAABAAAAAAAAAAMAAAAEAAAAAAAAAAAAAAAAAAAAAAAAAAeAAAAaAAAAAAAAAAAAAAAAAAAAAAAAAAAAAAAECcAABAnAAAAAAAAAAAAAAAAAAAAAAAAAAAAAAAAAAAAAAAAAAAAABQAAAAAAAAAwMD/AAAAAABkAAAAMgAAAAAAAABkAAAAAAAAAH9/fwAKAAAAHwAAAFQAAAAeHh4A////AQAAAAAAAAAAAAAAAAAAAAAAAAAAAAAAAAAAAAAAAAAAAAAAAn9/fwCAgIADzMzMAMDA/wB/f38AAAAAAAAAAAAAAAAAAAAAAAAAAAAhAAAAGAAAABQAAAAAAAAAZQcAAEA4AAC4CAAAEAAAACYAAAAIAAAA//////////8="/>
+                <pr:smNativeData xmlns:pr="smNativeData" val="SMDATA_13_IrKAXRMAAAAlAAAAZAAAAA8BAAAAkAAAAEgAAACQAAAASAAAAAAAAAAAAAAAAAAAAAEAAABQAAAAAAAAAAAA4D8AAAAAAADgPwAAAAAAAOA/AAAAAAAA4D8AAAAAAADgPwAAAAAAAOA/AAAAAAAA4D8AAAAAAADgPwAAAAAAAOA/AAAAAAAA4D8CAAAAjAAAAAEAAAAAAAAAHh4eAP///wgAAAAAAAAAAAAAAAAAAAAAAAAAAAAAAAAAAAAAZAAAAAEAAABAAAAAAAAAAAAAAAAAAAAAAAAAAAAAAAAAAAAAAAAAAAAAAAAAAAAAAAAAAAAAAAAAAAAAAAAAAAAAAAAAAAAAAAAAAAAAAAAAAAAAAAAAAAAAAAAAAAAAFAAAADwAAAAAAAAAAAAAAAAAAAkAAAAAAQAAAAAAAAAAAAAAAAAAAAAAAAAAAAAAZAAAAGQAAAAAAAAAZAAAAGQAAAAVAAAAYAAAAAAAAAAAAAAADwAAACADAAAAAAAAAAAAAAEAAACgMgAAAAAAAAAAAAABAAAAf39/AAEAAABkAAAAAAAAABQAAABAHwAAAAAAACYAAAAAAAAAwOD//wAAAAAmAAAAZAAAABYAAABMAAAAAAAAAAAAAAAEAAAAAAAAAAEAAACAgIAKAAAAACgAAAAoAAAAZAAAAGQAAAAAAAAAzMzMAAAAAABQAAAAUAAAAGQAAABkAAAAAAAAABcAAAAUAAAAAAAAAAAAAAD/fwAA/38AAAAAAAAJAAAABAAAAAAAAAAMAAAAEAAAAAAAAAAAAAAAAAAAAAAAAAAeAAAAaAAAAAAAAAAAAAAAAAAAAAAAAAAAAAAAECcAABAnAAAAAAAAAAAAAAAAAAAAAAAAAAAAAAAAAAAAAAAAAAAAABQAAAAAAAAAwMD/AAAAAABkAAAAMgAAAAAAAABkAAAAAAAAAH9/fwAKAAAAHwAAAFQAAAAeHh4A////AQAAAAAAAAAAAAAAAAAAAAAAAAAAAAAAAAAAAAAAAAAAAAAAAn9/fwCAgIADzMzMAMDA/wB/f38AAAAAAAAAAAAAAAAAAAAAAAAAAAAhAAAAGAAAABQAAAAAAAAAZQcAAEA4AAC4CAAAEAAAACYAAAAIAAAA//////////8="/>
               </a:ext>
             </a:extLst>
           </p:cNvSpPr>
@@ -8559,7 +8559,7 @@
           <p:cNvSpPr>
             <a:extLst>
               <a:ext uri="smNativeData">
-                <pr:smNativeData xmlns:pr="smNativeData" val="SMDATA_13_BbpsXRMAAAAlAAAACgAAAA8BAAAAkAAAAEgAAACQAAAASAAAAAAAAAAAAAAAAAAAAAEAAABQAAAAAAAAAAAA4D8AAAAAAADgPwAAAAAAAOA/AAAAAAAA4D8AAAAAAADgPwAAAAAAAOA/AAAAAAAA4D8AAAAAAADgPwAAAAAAAOA/AAAAAAAA4D8CAAAAjAAAAAAAAAAAAAAAu+DjDP///wgAAAAAAAAAAAAAAAAAAAAAAAAAAAAAAAAAAAAAZAAAAAEAAABAAAAAAAAAAAAAAAAAAAAAAAAAAAAAAAAAAAAAAAAAAAAAAAAAAAAAAAAAAAAAAAAAAAAAAAAAAAAAAAAAAAAAAAAAAAAAAAAAAAAAAAAAAAAAAAAAAAAAFAAAADwAAAABAAAAAAAAAFVVVQBQAAAAAQAAAAQAAAAAAAAAAAAAAAAAAAAAAAAAZAAAAGQAAAACAAAAZAAAAGQAAAAVAAAAYAAAAAAAAAAAAAAADwAAACADAAAAAAAAAAAAAAEAAACgMgAAAAAAAAAAAAABAAAAf39/AAEAAABkAAAAAAAAABQAAABAHwAAAAAAACYAAAAAAAAAwOD//wAAAAAmAAAAZAAAABYAAABMAAAAAAAAAAAAAAAEAAAAAAAAAAEAAACAgIAKAAAAACgAAAAoAAAAZAAAAGQAAAAAAAAAzMzMAAAAAABQAAAAUAAAAGQAAABkAAAAAAAAABcAAAAUAAAAAAAAAAAAAAD/fwAA/38AAAAAAAAJAAAABAAAAAABAAEMAAAAEAAAAAAAAAAAAAAAAAAAAAAAAAAeAAAAaAAAAAAAAAAAAAAAAAAAAAAAAAAAAAAAECcAABAnAAAAAAAAAAAAAAAAAAAAAAAAAAAAAAAAAAAAAAAAAAAAABQAAAAAAAAAwMD/AAAAAABkAAAAMgAAAAAAAABkAAAAAAAAAH9/fwAKAAAAHwAAAFQAAAC74OMF////AQAAAAAAAAAAAAAAAAAAAAAAAAAAAAAAAAAAAAAAAAAAVVVVAH9/fwCAgIADzMzMAMDA/wB/f38AAAAAAAAAAAAAAAAAAAAAAAAAAAAhAAAAGAAAABQAAAA3HAAA0g4AADkcAAB6EAAAEAAAACYAAAAIAAAA//////////8="/>
+                <pr:smNativeData xmlns:pr="smNativeData" val="SMDATA_13_IrKAXRMAAAAlAAAACgAAAA8BAAAAkAAAAEgAAACQAAAASAAAAAAAAAAAAAAAAAAAAAEAAABQAAAAAAAAAAAA4D8AAAAAAADgPwAAAAAAAOA/AAAAAAAA4D8AAAAAAADgPwAAAAAAAOA/AAAAAAAA4D8AAAAAAADgPwAAAAAAAOA/AAAAAAAA4D8CAAAAjAAAAAAAAAAAAAAAu+DjDP///wgAAAAAAAAAAAAAAAAAAAAAAAAAAAAAAAAAAAAAZAAAAAEAAABAAAAAAAAAAAAAAAAAAAAAAAAAAAAAAAAAAAAAAAAAAAAAAAAAAAAAAAAAAAAAAAAAAAAAAAAAAAAAAAAAAAAAAAAAAAAAAAAAAAAAAAAAAAAAAAAAAAAAFAAAADwAAAABAAAAAAAAAFVVVQBQAAAAAQAAAAQAAAAAAAAAAAAAAAAAAAAAAAAAZAAAAGQAAAACAAAAZAAAAGQAAAAVAAAAYAAAAAAAAAAAAAAADwAAACADAAAAAAAAAAAAAAEAAACgMgAAAAAAAAAAAAABAAAAf39/AAEAAABkAAAAAAAAABQAAABAHwAAAAAAACYAAAAAAAAAwOD//wAAAAAmAAAAZAAAABYAAABMAAAAAAAAAAAAAAAEAAAAAAAAAAEAAACAgIAKAAAAACgAAAAoAAAAZAAAAGQAAAAAAAAAzMzMAAAAAABQAAAAUAAAAGQAAABkAAAAAAAAABcAAAAUAAAAAAAAAAAAAAD/fwAA/38AAAAAAAAJAAAABAAAAAABAAEMAAAAEAAAAAAAAAAAAAAAAAAAAAAAAAAeAAAAaAAAAAAAAAAAAAAAAAAAAAAAAAAAAAAAECcAABAnAAAAAAAAAAAAAAAAAAAAAAAAAAAAAAAAAAAAAAAAAAAAABQAAAAAAAAAwMD/AAAAAABkAAAAMgAAAAAAAABkAAAAAAAAAH9/fwAKAAAAHwAAAFQAAAC74OMF////AQAAAAAAAAAAAAAAAAAAAAAAAAAAAAAAAAAAAAAAAAAAVVVVAH9/fwCAgIADzMzMAMDA/wB/f38AAAAAAAAAAAAAAAAAAAAAAAAAAAAhAAAAGAAAABQAAAA3HAAA0g4AADkcAAB6EAAAEAAAACYAAAAIAAAA//////////8="/>
               </a:ext>
             </a:extLst>
           </p:cNvSpPr>
@@ -8591,7 +8591,7 @@
           <p:cNvSpPr>
             <a:extLst>
               <a:ext uri="smNativeData">
-                <pr:smNativeData xmlns:pr="smNativeData" val="SMDATA_13_BbpsXRMAAAAlAAAACgAAAA8BAAAAkAAAAEgAAACQAAAASAAAAAAAAAAAAAAAAAAAAAEAAABQAAAAAAAAAAAA4D8AAAAAAADgPwAAAAAAAOA/AAAAAAAA4D8AAAAAAADgPwAAAAAAAOA/AAAAAAAA4D8AAAAAAADgPwAAAAAAAOA/AAAAAAAA4D8CAAAAjAAAAAAAAAAAAAAAu+DjDP///wgAAAAAAAAAAAAAAAAAAAAAAAAAAAAAAAAAAAAAZAAAAAEAAABAAAAAAAAAAAAAAAAAAAAAAAAAAAAAAAAAAAAAAAAAAAAAAAAAAAAAAAAAAAAAAAAAAAAAAAAAAAAAAAAAAAAAAAAAAAAAAAAAAAAAAAAAAAAAAAAAAAAAFAAAADwAAAABAAAAAAAAAFVVVQBQAAAAAQAAAAQAAAAAAAAAAAAAAAAAAAAAAAAAZAAAAGQAAAACAAAAZAAAAGQAAAAVAAAAYAAAAAAAAAAAAAAADwAAACADAAAAAAAAAAAAAAEAAACgMgAAAAAAAAAAAAABAAAAf39/AAEAAABkAAAAAAAAABQAAABAHwAAAAAAACYAAAAAAAAAwOD//wAAAAAmAAAAZAAAABYAAABMAAAAAAAAAAAAAAAEAAAAAAAAAAEAAACAgIAKAAAAACgAAAAoAAAAZAAAAGQAAAAAAAAAzMzMAAAAAABQAAAAUAAAAGQAAABkAAAAAAAAABcAAAAUAAAAAAAAAAAAAAD/fwAA/38AAAAAAAAJAAAABAAAAAIAAAAMAAAAEAAAAAAAAAAAAAAAAAAAAAAAAAAeAAAAaAAAAAAAAAAAAAAAAAAAAAAAAAAAAAAAECcAABAnAAAAAAAAAAAAAAAAAAAAAAAAAAAAAAAAAAAAAAAAAAAAABQAAAAAAAAAwMD/AAAAAABkAAAAMgAAAAAAAABkAAAAAAAAAH9/fwAKAAAAHwAAAFQAAAC74OMF////AQAAAAAAAAAAAAAAAAAAAAAAAAAAAAAAAAAAAAAAAAAAVVVVAH9/fwCAgIADzMzMAMDA/wB/f38AAAAAAAAAAAAAAAAAAAAAAAAAAAAhAAAAGAAAABQAAAD0FgAA9w4AAMAaAAA7EAAAEAAAACYAAAAIAAAA//////////8="/>
+                <pr:smNativeData xmlns:pr="smNativeData" val="SMDATA_13_IrKAXRMAAAAlAAAACgAAAA8BAAAAkAAAAEgAAACQAAAASAAAAAAAAAAAAAAAAAAAAAEAAABQAAAAAAAAAAAA4D8AAAAAAADgPwAAAAAAAOA/AAAAAAAA4D8AAAAAAADgPwAAAAAAAOA/AAAAAAAA4D8AAAAAAADgPwAAAAAAAOA/AAAAAAAA4D8CAAAAjAAAAAAAAAAAAAAAu+DjDP///wgAAAAAAAAAAAAAAAAAAAAAAAAAAAAAAAAAAAAAZAAAAAEAAABAAAAAAAAAAAAAAAAAAAAAAAAAAAAAAAAAAAAAAAAAAAAAAAAAAAAAAAAAAAAAAAAAAAAAAAAAAAAAAAAAAAAAAAAAAAAAAAAAAAAAAAAAAAAAAAAAAAAAFAAAADwAAAABAAAAAAAAAFVVVQBQAAAAAQAAAAQAAAAAAAAAAAAAAAAAAAAAAAAAZAAAAGQAAAACAAAAZAAAAGQAAAAVAAAAYAAAAAAAAAAAAAAADwAAACADAAAAAAAAAAAAAAEAAACgMgAAAAAAAAAAAAABAAAAf39/AAEAAABkAAAAAAAAABQAAABAHwAAAAAAACYAAAAAAAAAwOD//wAAAAAmAAAAZAAAABYAAABMAAAAAAAAAAAAAAAEAAAAAAAAAAEAAACAgIAKAAAAACgAAAAoAAAAZAAAAGQAAAAAAAAAzMzMAAAAAABQAAAAUAAAAGQAAABkAAAAAAAAABcAAAAUAAAAAAAAAAAAAAD/fwAA/38AAAAAAAAJAAAABAAAAAIAAAAMAAAAEAAAAAAAAAAAAAAAAAAAAAAAAAAeAAAAaAAAAAAAAAAAAAAAAAAAAAAAAAAAAAAAECcAABAnAAAAAAAAAAAAAAAAAAAAAAAAAAAAAAAAAAAAAAAAAAAAABQAAAAAAAAAwMD/AAAAAABkAAAAMgAAAAAAAABkAAAAAAAAAH9/fwAKAAAAHwAAAFQAAAC74OMF////AQAAAAAAAAAAAAAAAAAAAAAAAAAAAAAAAAAAAAAAAAAAVVVVAH9/fwCAgIADzMzMAMDA/wB/f38AAAAAAAAAAAAAAAAAAAAAAAAAAAAhAAAAGAAAABQAAAD0FgAA9w4AAMAaAAA7EAAAEAAAACYAAAAIAAAA//////////8="/>
               </a:ext>
             </a:extLst>
           </p:cNvSpPr>
@@ -8623,7 +8623,7 @@
           <p:cNvSpPr>
             <a:extLst>
               <a:ext uri="smNativeData">
-                <pr:smNativeData xmlns:pr="smNativeData" val="SMDATA_13_BbpsXRMAAAAlAAAACgAAAA8BAAAAkAAAAEgAAACQAAAASAAAAAAAAAAAAAAAAAAAAAEAAABQAAAAAAAAAAAA4D8AAAAAAADgPwAAAAAAAOA/AAAAAAAA4D8AAAAAAADgPwAAAAAAAOA/AAAAAAAA4D8AAAAAAADgPwAAAAAAAOA/AAAAAAAA4D8CAAAAjAAAAAAAAAAAAAAAu+DjDP///wgAAAAAAAAAAAAAAAAAAAAAAAAAAAAAAAAAAAAAZAAAAAEAAABAAAAAAAAAAAAAAAAAAAAAAAAAAAAAAAAAAAAAAAAAAAAAAAAAAAAAAAAAAAAAAAAAAAAAAAAAAAAAAAAAAAAAAAAAAAAAAAAAAAAAAAAAAAAAAAAAAAAAFAAAADwAAAABAAAAAAAAAFVVVQBQAAAAAQAAAAQAAAAAAAAAAAAAAAAAAAAAAAAAZAAAAGQAAAACAAAAZAAAAGQAAAAVAAAAYAAAAAAAAAAAAAAADwAAACADAAAAAAAAAAAAAAEAAACgMgAAAAAAAAAAAAABAAAAf39/AAEAAABkAAAAAAAAABQAAABAHwAAAAAAACYAAAAAAAAAwOD//wAAAAAmAAAAZAAAABYAAABMAAAAAAAAAAAAAAAEAAAAAAAAAAEAAACAgIAKAAAAACgAAAAoAAAAZAAAAGQAAAAAAAAAzMzMAAAAAABQAAAAUAAAAGQAAABkAAAAAAAAABcAAAAUAAAAAAAAAAAAAAD/fwAA/38AAAAAAAAJAAAABAAAAPCptwMMAAAAEAAAAAAAAAAAAAAAAAAAAAAAAAAeAAAAaAAAAAAAAAAAAAAAAAAAAAAAAAAAAAAAECcAABAnAAAAAAAAAAAAAAAAAAAAAAAAAAAAAAAAAAAAAAAAAAAAABQAAAAAAAAAwMD/AAAAAABkAAAAMgAAAAAAAABkAAAAAAAAAH9/fwAKAAAAHwAAAFQAAAC74OMF////AQAAAAAAAAAAAAAAAAAAAAAAAAAAAAAAAAAAAAAAAAAAVVVVAH9/fwCAgIADzMzMAMDA/wB/f38AAAAAAAAAAAAAAAAAAAAAAAAAAAAhAAAAGAAAABQAAAACDwAA/xEAADAVAAA0FAAAEAAAACYAAAAIAAAA//////////8="/>
+                <pr:smNativeData xmlns:pr="smNativeData" val="SMDATA_13_IrKAXRMAAAAlAAAACgAAAA8BAAAAkAAAAEgAAACQAAAASAAAAAAAAAAAAAAAAAAAAAEAAABQAAAAAAAAAAAA4D8AAAAAAADgPwAAAAAAAOA/AAAAAAAA4D8AAAAAAADgPwAAAAAAAOA/AAAAAAAA4D8AAAAAAADgPwAAAAAAAOA/AAAAAAAA4D8CAAAAjAAAAAAAAAAAAAAAu+DjDP///wgAAAAAAAAAAAAAAAAAAAAAAAAAAAAAAAAAAAAAZAAAAAEAAABAAAAAAAAAAAAAAAAAAAAAAAAAAAAAAAAAAAAAAAAAAAAAAAAAAAAAAAAAAAAAAAAAAAAAAAAAAAAAAAAAAAAAAAAAAAAAAAAAAAAAAAAAAAAAAAAAAAAAFAAAADwAAAABAAAAAAAAAFVVVQBQAAAAAQAAAAQAAAAAAAAAAAAAAAAAAAAAAAAAZAAAAGQAAAACAAAAZAAAAGQAAAAVAAAAYAAAAAAAAAAAAAAADwAAACADAAAAAAAAAAAAAAEAAACgMgAAAAAAAAAAAAABAAAAf39/AAEAAABkAAAAAAAAABQAAABAHwAAAAAAACYAAAAAAAAAwOD//wAAAAAmAAAAZAAAABYAAABMAAAAAAAAAAAAAAAEAAAAAAAAAAEAAACAgIAKAAAAACgAAAAoAAAAZAAAAGQAAAAAAAAAzMzMAAAAAABQAAAAUAAAAGQAAABkAAAAAAAAABcAAAAUAAAAAAAAAAAAAAD/fwAA/38AAAAAAAAJAAAABAAAAPCptwMMAAAAEAAAAAAAAAAAAAAAAAAAAAAAAAAeAAAAaAAAAAAAAAAAAAAAAAAAAAAAAAAAAAAAECcAABAnAAAAAAAAAAAAAAAAAAAAAAAAAAAAAAAAAAAAAAAAAAAAABQAAAAAAAAAwMD/AAAAAABkAAAAMgAAAAAAAABkAAAAAAAAAH9/fwAKAAAAHwAAAFQAAAC74OMF////AQAAAAAAAAAAAAAAAAAAAAAAAAAAAAAAAAAAAAAAAAAAVVVVAH9/fwCAgIADzMzMAMDA/wB/f38AAAAAAAAAAAAAAAAAAAAAAAAAAAAhAAAAGAAAABQAAAACDwAA/xEAADAVAAA0FAAAEAAAACYAAAAIAAAA//////////8="/>
               </a:ext>
             </a:extLst>
           </p:cNvSpPr>
@@ -8655,7 +8655,7 @@
           <p:cNvSpPr>
             <a:extLst>
               <a:ext uri="smNativeData">
-                <pr:smNativeData xmlns:pr="smNativeData" val="SMDATA_13_BbpsXRMAAAAlAAAACgAAAA8BAAAAkAAAAEgAAACQAAAASAAAAAAAAAAAAAAAAAAAAAEAAABQAAAAAAAAAAAA4D8AAAAAAADgPwAAAAAAAOA/AAAAAAAA4D8AAAAAAADgPwAAAAAAAOA/AAAAAAAA4D8AAAAAAADgPwAAAAAAAOA/AAAAAAAA4D8CAAAAjAAAAAAAAAAAAAAAu+DjDP///wgAAAAAAAAAAAAAAAAAAAAAAAAAAAAAAAAAAAAAZAAAAAEAAABAAAAAAAAAAAAAAAAAAAAAAAAAAAAAAAAAAAAAAAAAAAAAAAAAAAAAAAAAAAAAAAAAAAAAAAAAAAAAAAAAAAAAAAAAAAAAAAAAAAAAAAAAAAAAAAAAAAAAFAAAADwAAAABAAAAAAAAAFVVVQBQAAAAAQAAAAQAAAAAAAAAAAAAAAAAAAAAAAAAZAAAAGQAAAACAAAAZAAAAGQAAAAVAAAAYAAAAAAAAAAAAAAADwAAACADAAAAAAAAAAAAAAEAAACgMgAAAAAAAAAAAAABAAAAf39/AAEAAABkAAAAAAAAABQAAABAHwAAAAAAACYAAAAAAAAAwOD//wAAAAAmAAAAZAAAABYAAABMAAAAAAAAAAAAAAAEAAAAAAAAAAEAAACAgIAKAAAAACgAAAAoAAAAZAAAAGQAAAAAAAAAzMzMAAAAAABQAAAAUAAAAGQAAABkAAAAAAAAABcAAAAUAAAAAAAAAAAAAAD/fwAA/38AAAAAAAAJAAAABAAAAAAAAAAMAAAAEAAAAAAAAAAAAAAAAAAAAAAAAAAeAAAAaAAAAAAAAAAAAAAAAAAAAAAAAAAAAAAAECcAABAnAAAAAAAAAAAAAAAAAAAAAAAAAAAAAAAAAAAAAAAAAAAAABQAAAAAAAAAwMD/AAAAAABkAAAAMgAAAAAAAABkAAAAAAAAAH9/fwAKAAAAHwAAAFQAAAC74OMF////AQAAAAAAAAAAAAAAAAAAAAAAAAAAAAAAAAAAAAAAAAAAVVVVAH9/fwCAgIADzMzMAMDA/wB/f38AAAAAAAAAAAAAAAAAAAAAAAAAAAAhAAAAGAAAABQAAACQDgAAgBkAAJIOAACnIwAAEAAAACYAAAAIAAAA//////////8="/>
+                <pr:smNativeData xmlns:pr="smNativeData" val="SMDATA_13_IrKAXRMAAAAlAAAACgAAAA8BAAAAkAAAAEgAAACQAAAASAAAAAAAAAAAAAAAAAAAAAEAAABQAAAAAAAAAAAA4D8AAAAAAADgPwAAAAAAAOA/AAAAAAAA4D8AAAAAAADgPwAAAAAAAOA/AAAAAAAA4D8AAAAAAADgPwAAAAAAAOA/AAAAAAAA4D8CAAAAjAAAAAAAAAAAAAAAu+DjDP///wgAAAAAAAAAAAAAAAAAAAAAAAAAAAAAAAAAAAAAZAAAAAEAAABAAAAAAAAAAAAAAAAAAAAAAAAAAAAAAAAAAAAAAAAAAAAAAAAAAAAAAAAAAAAAAAAAAAAAAAAAAAAAAAAAAAAAAAAAAAAAAAAAAAAAAAAAAAAAAAAAAAAAFAAAADwAAAABAAAAAAAAAFVVVQBQAAAAAQAAAAQAAAAAAAAAAAAAAAAAAAAAAAAAZAAAAGQAAAACAAAAZAAAAGQAAAAVAAAAYAAAAAAAAAAAAAAADwAAACADAAAAAAAAAAAAAAEAAACgMgAAAAAAAAAAAAABAAAAf39/AAEAAABkAAAAAAAAABQAAABAHwAAAAAAACYAAAAAAAAAwOD//wAAAAAmAAAAZAAAABYAAABMAAAAAAAAAAAAAAAEAAAAAAAAAAEAAACAgIAKAAAAACgAAAAoAAAAZAAAAGQAAAAAAAAAzMzMAAAAAABQAAAAUAAAAGQAAABkAAAAAAAAABcAAAAUAAAAAAAAAAAAAAD/fwAA/38AAAAAAAAJAAAABAAAAAAAAAAMAAAAEAAAAAAAAAAAAAAAAAAAAAAAAAAeAAAAaAAAAAAAAAAAAAAAAAAAAAAAAAAAAAAAECcAABAnAAAAAAAAAAAAAAAAAAAAAAAAAAAAAAAAAAAAAAAAAAAAABQAAAAAAAAAwMD/AAAAAABkAAAAMgAAAAAAAABkAAAAAAAAAH9/fwAKAAAAHwAAAFQAAAC74OMF////AQAAAAAAAAAAAAAAAAAAAAAAAAAAAAAAAAAAAAAAAAAAVVVVAH9/fwCAgIADzMzMAMDA/wB/f38AAAAAAAAAAAAAAAAAAAAAAAAAAAAhAAAAGAAAABQAAACQDgAAgBkAAJIOAACnIwAAEAAAACYAAAAIAAAA//////////8="/>
               </a:ext>
             </a:extLst>
           </p:cNvSpPr>
@@ -8687,7 +8687,7 @@
           <p:cNvSpPr>
             <a:extLst>
               <a:ext uri="smNativeData">
-                <pr:smNativeData xmlns:pr="smNativeData" val="SMDATA_13_BbpsXRMAAAAlAAAACgAAAA8BAAAAkAAAAEgAAACQAAAASAAAAAAAAAAAAAAAAAAAAAEAAABQAAAAAAAAAAAA4D8AAAAAAADgPwAAAAAAAOA/AAAAAAAA4D8AAAAAAADgPwAAAAAAAOA/AAAAAAAA4D8AAAAAAADgPwAAAAAAAOA/AAAAAAAA4D8CAAAAjAAAAAAAAAAAAAAAu+DjDP///wgAAAAAAAAAAAAAAAAAAAAAAAAAAAAAAAAAAAAAZAAAAAEAAABAAAAAAAAAAAAAAAAAAAAAAAAAAAAAAAAAAAAAAAAAAAAAAAAAAAAAAAAAAAAAAAAAAAAAAAAAAAAAAAAAAAAAAAAAAAAAAAAAAAAAAAAAAAAAAAAAAAAAFAAAADwAAAABAAAAAAAAAFVVVQBQAAAAAQAAAAQAAAAAAAAAAAAAAAAAAAAAAAAAZAAAAGQAAAACAAAAZAAAAGQAAAAVAAAAYAAAAAAAAAAAAAAADwAAACADAAAAAAAAAAAAAAEAAACgMgAAAAAAAAAAAAABAAAAf39/AAEAAABkAAAAAAAAABQAAABAHwAAAAAAACYAAAAAAAAAwOD//wAAAAAmAAAAZAAAABYAAABMAAAAAAAAAAAAAAAEAAAAAAAAAAEAAACAgIAKAAAAACgAAAAoAAAAZAAAAGQAAAAAAAAAzMzMAAAAAABQAAAAUAAAAGQAAABkAAAAAAAAABcAAAAUAAAAAAAAAAAAAAD/fwAA/38AAAAAAAAJAAAABAAAAAIA/f8MAAAAEAAAAAAAAAAAAAAAAAAAAAAAAAAeAAAAaAAAAAAAAAAAAAAAAAAAAAAAAAAAAAAAECcAABAnAAAAAAAAAAAAAAAAAAAAAAAAAAAAAAAAAAAAAAAAAAAAABQAAAAAAAAAwMD/AAAAAABkAAAAMgAAAAAAAABkAAAAAAAAAH9/fwAKAAAAHwAAAFQAAAC74OMF////AQAAAAAAAAAAAAAAAAAAAAAAAAAAAAAAAAAAAAAAAAAAVVVVAH9/fwCAgIADzMzMAMDA/wB/f38AAAAAAAAAAAAAAAAAAAAAAAAAAAAhAAAAGAAAABQAAAA3HAAAjBkAADkcAAAyHAAAEAAAACYAAAAIAAAA//////////8="/>
+                <pr:smNativeData xmlns:pr="smNativeData" val="SMDATA_13_IrKAXRMAAAAlAAAACgAAAA8BAAAAkAAAAEgAAACQAAAASAAAAAAAAAAAAAAAAAAAAAEAAABQAAAAAAAAAAAA4D8AAAAAAADgPwAAAAAAAOA/AAAAAAAA4D8AAAAAAADgPwAAAAAAAOA/AAAAAAAA4D8AAAAAAADgPwAAAAAAAOA/AAAAAAAA4D8CAAAAjAAAAAAAAAAAAAAAu+DjDP///wgAAAAAAAAAAAAAAAAAAAAAAAAAAAAAAAAAAAAAZAAAAAEAAABAAAAAAAAAAAAAAAAAAAAAAAAAAAAAAAAAAAAAAAAAAAAAAAAAAAAAAAAAAAAAAAAAAAAAAAAAAAAAAAAAAAAAAAAAAAAAAAAAAAAAAAAAAAAAAAAAAAAAFAAAADwAAAABAAAAAAAAAFVVVQBQAAAAAQAAAAQAAAAAAAAAAAAAAAAAAAAAAAAAZAAAAGQAAAACAAAAZAAAAGQAAAAVAAAAYAAAAAAAAAAAAAAADwAAACADAAAAAAAAAAAAAAEAAACgMgAAAAAAAAAAAAABAAAAf39/AAEAAABkAAAAAAAAABQAAABAHwAAAAAAACYAAAAAAAAAwOD//wAAAAAmAAAAZAAAABYAAABMAAAAAAAAAAAAAAAEAAAAAAAAAAEAAACAgIAKAAAAACgAAAAoAAAAZAAAAGQAAAAAAAAAzMzMAAAAAABQAAAAUAAAAGQAAABkAAAAAAAAABcAAAAUAAAAAAAAAAAAAAD/fwAA/38AAAAAAAAJAAAABAAAAAIA/f8MAAAAEAAAAAAAAAAAAAAAAAAAAAAAAAAeAAAAaAAAAAAAAAAAAAAAAAAAAAAAAAAAAAAAECcAABAnAAAAAAAAAAAAAAAAAAAAAAAAAAAAAAAAAAAAAAAAAAAAABQAAAAAAAAAwMD/AAAAAABkAAAAMgAAAAAAAABkAAAAAAAAAH9/fwAKAAAAHwAAAFQAAAC74OMF////AQAAAAAAAAAAAAAAAAAAAAAAAAAAAAAAAAAAAAAAAAAAVVVVAH9/fwCAgIADzMzMAMDA/wB/f38AAAAAAAAAAAAAAAAAAAAAAAAAAAAhAAAAGAAAABQAAAA3HAAAjBkAADkcAAAyHAAAEAAAACYAAAAIAAAA//////////8="/>
               </a:ext>
             </a:extLst>
           </p:cNvSpPr>
@@ -8719,7 +8719,7 @@
           <p:cNvSpPr>
             <a:extLst>
               <a:ext uri="smNativeData">
-                <pr:smNativeData xmlns:pr="smNativeData" val="SMDATA_13_BbpsXRMAAAAlAAAACgAAAA8BAAAAkAAAAEgAAACQAAAASAAAAAAAAAAAAAAAAAAAAAEAAABQAAAAAAAAAAAA4D8AAAAAAADgPwAAAAAAAOA/AAAAAAAA4D8AAAAAAADgPwAAAAAAAOA/AAAAAAAA4D8AAAAAAADgPwAAAAAAAOA/AAAAAAAA4D8CAAAAjAAAAAAAAAAAAAAAu+DjDP///wgAAAAAAAAAAAAAAAAAAAAAAAAAAAAAAAAAAAAAZAAAAAEAAABAAAAAAAAAAAAAAAAAAAAAAAAAAAAAAAAAAAAAAAAAAAAAAAAAAAAAAAAAAAAAAAAAAAAAAAAAAAAAAAAAAAAAAAAAAAAAAAAAAAAAAAAAAAAAAAAAAAAAFAAAADwAAAABAAAAAAAAAFVVVQBQAAAAAQAAAAQAAAAAAAAAAAAAAAAAAAAAAAAAZAAAAGQAAAACAAAAZAAAAGQAAAAVAAAAYAAAAAAAAAAAAAAADwAAACADAAAAAAAAAAAAAAEAAACgMgAAAAAAAAAAAAABAAAAf39/AAEAAABkAAAAAAAAABQAAABAHwAAAAAAACYAAAAAAAAAwOD//wAAAAAmAAAAZAAAABYAAABMAAAAAAAAAAAAAAAEAAAAAAAAAAEAAACAgIAKAAAAACgAAAAoAAAAZAAAAGQAAAAAAAAAzMzMAAAAAABQAAAAUAAAAGQAAABkAAAAAAAAABcAAAAUAAAAAAAAAAAAAAD/fwAA/38AAAAAAAAJAAAABAAAAAAAAAAMAAAAEAAAAAAAAAAAAAAAAAAAAAAAAAAeAAAAaAAAAAAAAAAAAAAAAAAAAAAAAAAAAAAAECcAABAnAAAAAAAAAAAAAAAAAAAAAAAAAAAAAAAAAAAAAAAAAAAAABQAAAAAAAAAwMD/AAAAAABkAAAAMgAAAAAAAABkAAAAAAAAAH9/fwAKAAAAHwAAAFQAAAC74OMF////AQAAAAAAAAAAAAAAAAAAAAAAAAAAAAAAAAAAAAAAAAAAVVVVAH9/fwCAgIADzMzMAMDA/wB/f38AAAAAAAAAAAAAAAAAAAAAAAAAAAAhAAAAGAAAABQAAAAfHAAAcBIAACEcAAAYFAAAEAAAACYAAAAIAAAA//////////8="/>
+                <pr:smNativeData xmlns:pr="smNativeData" val="SMDATA_13_IrKAXRMAAAAlAAAACgAAAA8BAAAAkAAAAEgAAACQAAAASAAAAAAAAAAAAAAAAAAAAAEAAABQAAAAAAAAAAAA4D8AAAAAAADgPwAAAAAAAOA/AAAAAAAA4D8AAAAAAADgPwAAAAAAAOA/AAAAAAAA4D8AAAAAAADgPwAAAAAAAOA/AAAAAAAA4D8CAAAAjAAAAAAAAAAAAAAAu+DjDP///wgAAAAAAAAAAAAAAAAAAAAAAAAAAAAAAAAAAAAAZAAAAAEAAABAAAAAAAAAAAAAAAAAAAAAAAAAAAAAAAAAAAAAAAAAAAAAAAAAAAAAAAAAAAAAAAAAAAAAAAAAAAAAAAAAAAAAAAAAAAAAAAAAAAAAAAAAAAAAAAAAAAAAFAAAADwAAAABAAAAAAAAAFVVVQBQAAAAAQAAAAQAAAAAAAAAAAAAAAAAAAAAAAAAZAAAAGQAAAACAAAAZAAAAGQAAAAVAAAAYAAAAAAAAAAAAAAADwAAACADAAAAAAAAAAAAAAEAAACgMgAAAAAAAAAAAAABAAAAf39/AAEAAABkAAAAAAAAABQAAABAHwAAAAAAACYAAAAAAAAAwOD//wAAAAAmAAAAZAAAABYAAABMAAAAAAAAAAAAAAAEAAAAAAAAAAEAAACAgIAKAAAAACgAAAAoAAAAZAAAAGQAAAAAAAAAzMzMAAAAAABQAAAAUAAAAGQAAABkAAAAAAAAABcAAAAUAAAAAAAAAAAAAAD/fwAA/38AAAAAAAAJAAAABAAAAAAAAAAMAAAAEAAAAAAAAAAAAAAAAAAAAAAAAAAeAAAAaAAAAAAAAAAAAAAAAAAAAAAAAAAAAAAAECcAABAnAAAAAAAAAAAAAAAAAAAAAAAAAAAAAAAAAAAAAAAAAAAAABQAAAAAAAAAwMD/AAAAAABkAAAAMgAAAAAAAABkAAAAAAAAAH9/fwAKAAAAHwAAAFQAAAC74OMF////AQAAAAAAAAAAAAAAAAAAAAAAAAAAAAAAAAAAAAAAAAAAVVVVAH9/fwCAgIADzMzMAMDA/wB/f38AAAAAAAAAAAAAAAAAAAAAAAAAAAAhAAAAGAAAABQAAAAfHAAAcBIAACEcAAAYFAAAEAAAACYAAAAIAAAA//////////8="/>
               </a:ext>
             </a:extLst>
           </p:cNvSpPr>
@@ -8751,7 +8751,7 @@
           <p:cNvSpPr>
             <a:extLst>
               <a:ext uri="smNativeData">
-                <pr:smNativeData xmlns:pr="smNativeData" val="SMDATA_13_BbpsXRMAAAAlAAAAZAAAAA8BAAAAkAAAAEgAAACQAAAASAAAAAAAAAABAAAAAAAAAAEAAABQAAAAAAAAAAAA4D8AAAAAAADgPwAAAAAAAOA/AAAAAAAA4D8AAAAAAADgPwAAAAAAAOA/AAAAAAAA4D8AAAAAAADgPwAAAAAAAOA/AAAAAAAA4D8CAAAAjAAAAAAAAAAAAAAAu+DjDP///wgAAAAAAAAAAAAAAAAAAAAAAAAAAAAAAAAAAAAAZAAAAAEAAABAAAAAAAAAAAAAAAAAAAAAAAAAAAAAAAAAAAAAAAAAAAAAAAAAAAAAAAAAAAAAAAAAAAAAAAAAAAAAAAAAAAAAAAAAAAAAAAAAAAAAAAAAAAAAAAAAAAAAFAAAADwAAAAAAAAAAAAAAAAAAAkUAAAAAQAAABQAAAAUAAAAFAAAAAEAAAAAAAAAZAAAAGQAAAAAAAAAZAAAAGQAAAAVAAAAYAAAAAAAAAAAAAAADwAAACADAAAAAAAAAAAAAAEAAACgMgAAVgcAAKr4//8BAAAAf39/AAEAAABkAAAAAAAAABQAAABAHwAAAAAAACYAAAAAAAAAwOD//wAAAAAmAAAAZAAAABYAAABMAAAAAAAAAAAAAAAEAAAAAAAAAAEAAACAgIAKAAAAACgAAAAoAAAAZAAAAGQAAAAAAAAAzMzMAAAAAABQAAAAUAAAAGQAAABkAAAAAAAAABcAAAAUAAAAAAAAAAAAAAD/fwAA/38AAAAAAAAJAAAABAAAAKg74hoMAAAAEAAAAAAAAAAAAAAAAAAAAAAAAAAeAAAAaAAAAAAAAAAAAAAAAAAAAAAAAAAAAAAAECcAABAnAAAAAAAAAAAAAAAAAAAAAAAAAAAAAAAAAAAAAAAAAAAAABQAAAAAAAAAwMD/AAAAAABkAAAAMgAAAAAAAABkAAAAAAAAAH9/fwAKAAAAHwAAAFQAAAC74OMF////AQAAAAAAAAAAAAAAAAAAAAAAAAAAAAAAAAAAAAAAAAAAAAAAAn9/fwCAgIADzMzMAMDA/wB/f38AAAAAAAAAAAAAAAAAAAAAAAAAAAAhAAAAGAAAABQAAABqBAAAiAMAABY0AAAoBwAAEAAAACYAAAAIAAAA//////////8="/>
+                <pr:smNativeData xmlns:pr="smNativeData" val="SMDATA_13_IrKAXRMAAAAlAAAAZAAAAA8BAAAAkAAAAEgAAACQAAAASAAAAAAAAAABAAAAAAAAAAEAAABQAAAAAAAAAAAA4D8AAAAAAADgPwAAAAAAAOA/AAAAAAAA4D8AAAAAAADgPwAAAAAAAOA/AAAAAAAA4D8AAAAAAADgPwAAAAAAAOA/AAAAAAAA4D8CAAAAjAAAAAAAAAAAAAAAu+DjDP///wgAAAAAAAAAAAAAAAAAAAAAAAAAAAAAAAAAAAAAZAAAAAEAAABAAAAAAAAAAAAAAAAAAAAAAAAAAAAAAAAAAAAAAAAAAAAAAAAAAAAAAAAAAAAAAAAAAAAAAAAAAAAAAAAAAAAAAAAAAAAAAAAAAAAAAAAAAAAAAAAAAAAAFAAAADwAAAAAAAAAAAAAAAAAAAkUAAAAAQAAABQAAAAUAAAAFAAAAAEAAAAAAAAAZAAAAGQAAAAAAAAAZAAAAGQAAAAVAAAAYAAAAAAAAAAAAAAADwAAACADAAAAAAAAAAAAAAEAAACgMgAAVgcAAKr4//8BAAAAf39/AAEAAABkAAAAAAAAABQAAABAHwAAAAAAACYAAAAAAAAAwOD//wAAAAAmAAAAZAAAABYAAABMAAAAAAAAAAAAAAAEAAAAAAAAAAEAAACAgIAKAAAAACgAAAAoAAAAZAAAAGQAAAAAAAAAzMzMAAAAAABQAAAAUAAAAGQAAABkAAAAAAAAABcAAAAUAAAAAAAAAAAAAAD/fwAA/38AAAAAAAAJAAAABAAAAKg74hoMAAAAEAAAAAAAAAAAAAAAAAAAAAAAAAAeAAAAaAAAAAAAAAAAAAAAAAAAAAAAAAAAAAAAECcAABAnAAAAAAAAAAAAAAAAAAAAAAAAAAAAAAAAAAAAAAAAAAAAABQAAAAAAAAAwMD/AAAAAABkAAAAMgAAAAAAAABkAAAAAAAAAH9/fwAKAAAAHwAAAFQAAAC74OMF////AQAAAAAAAAAAAAAAAAAAAAAAAAAAAAAAAAAAAAAAAAAAAAAAAn9/fwCAgIADzMzMAMDA/wB/f38AAAAAAAAAAAAAAAAAAAAAAAAAAAAhAAAAGAAAABQAAABqBAAAiAMAABY0AAAoBwAAEAAAACYAAAAIAAAA//////////8="/>
               </a:ext>
             </a:extLst>
           </p:cNvSpPr>
@@ -8797,7 +8797,7 @@
           <p:cNvSpPr>
             <a:extLst>
               <a:ext uri="smNativeData">
-                <pr:smNativeData xmlns:pr="smNativeData" val="SMDATA_13_BbpsXRMAAAAlAAAAZAAAAA8BAAAAkAAAAEgAAACQAAAASAAAAAAAAAAAAAAAAAAAAAEAAABQAAAAAAAAAAAA4D8AAAAAAADgPwAAAAAAAOA/AAAAAAAA4D8AAAAAAADgPwAAAAAAAOA/AAAAAAAA4D8AAAAAAADgPwAAAAAAAOA/AAAAAAAA4D8CAAAAjAAAAAAAAAAAAAAAu+DjDP///wgAAAAAAAAAAAAAAAAAAAAAAAAAAAAAAAAAAAAAZAAAAAEAAABAAAAAAAAAAAAAAAAAAAAAAAAAAAAAAAAAAAAAAAAAAAAAAAAAAAAAAAAAAAAAAAAAAAAAAAAAAAAAAAAAAAAAAAAAAAAAAAAAAAAAAAAAAAAAAAAAAAAAFAAAADwAAAABAAAAAAAAAB4eHgB4AAAAAQAAAAYAAAAAAAAAAAAAAAAAAAAAAAAAZAAAAGQAAAAAAAAAZAAAAGQAAAAVAAAAYAAAAAAAAAAAAAAADwAAACADAAAAAAAAAAAAAAEAAACgMgAAAAAAAAAAAAABAAAAf39/AAEAAABkAAAAAAAAABQAAABAHwAAAAAAACYAAAAAAAAAwOD//wAAAAAmAAAAZAAAABYAAABMAAAAAAAAAAAAAAAEAAAAAAAAAAEAAACAgIAKAAAAACgAAAAoAAAAZAAAAGQAAAAAAAAAzMzMAAAAAABQAAAAUAAAAGQAAABkAAAAAAAAABcAAAAUAAAAAAAAAAAAAAD/fwAA/38AAAAAAAAJAAAABAAAAAAAAAAMAAAAEAAAAAAAAAAAAAAAAAAAAAAAAAAeAAAAaAAAAAAAAAAAAAAAAAAAAAAAAAAAAAAAECcAABAnAAAAAAAAAAAAAAAAAAAAAAAAAAAAAAAAAAAAAAAAPAAAABQAAAAoAAAAHh4eAAAAAABkAAAAMgAAAAAAAABkAAAAAAAAAH9/fwAKAAAAHwAAAFQAAAC74OMF////AQAAAAAAAAAAAAAAAAAAAAAAAAAAAAAAAAAAAAAAAAAAHh4eAH9/fwCAgIADzMzMAB4eHgB/f38AAAAAAAAAAAAAAAAAAAAAAAAAAAAhAAAAGAAAABQAAADMGQAADQoAAKceAADoDgAAEAAAACYAAAAIAAAA//////////8="/>
+                <pr:smNativeData xmlns:pr="smNativeData" val="SMDATA_13_IrKAXRMAAAAlAAAAZAAAAA8BAAAAkAAAAEgAAACQAAAASAAAAAAAAAAAAAAAAAAAAAEAAABQAAAAAAAAAAAA4D8AAAAAAADgPwAAAAAAAOA/AAAAAAAA4D8AAAAAAADgPwAAAAAAAOA/AAAAAAAA4D8AAAAAAADgPwAAAAAAAOA/AAAAAAAA4D8CAAAAjAAAAAAAAAAAAAAAu+DjDP///wgAAAAAAAAAAAAAAAAAAAAAAAAAAAAAAAAAAAAAZAAAAAEAAABAAAAAAAAAAAAAAAAAAAAAAAAAAAAAAAAAAAAAAAAAAAAAAAAAAAAAAAAAAAAAAAAAAAAAAAAAAAAAAAAAAAAAAAAAAAAAAAAAAAAAAAAAAAAAAAAAAAAAFAAAADwAAAABAAAAAAAAAB4eHgB4AAAAAQAAAAYAAAAAAAAAAAAAAAAAAAAAAAAAZAAAAGQAAAAAAAAAZAAAAGQAAAAVAAAAYAAAAAAAAAAAAAAADwAAACADAAAAAAAAAAAAAAEAAACgMgAAAAAAAAAAAAABAAAAf39/AAEAAABkAAAAAAAAABQAAABAHwAAAAAAACYAAAAAAAAAwOD//wAAAAAmAAAAZAAAABYAAABMAAAAAAAAAAAAAAAEAAAAAAAAAAEAAACAgIAKAAAAACgAAAAoAAAAZAAAAGQAAAAAAAAAzMzMAAAAAABQAAAAUAAAAGQAAABkAAAAAAAAABcAAAAUAAAAAAAAAAAAAAD/fwAA/38AAAAAAAAJAAAABAAAAAAAAAAMAAAAEAAAAAAAAAAAAAAAAAAAAAAAAAAeAAAAaAAAAAAAAAAAAAAAAAAAAAAAAAAAAAAAECcAABAnAAAAAAAAAAAAAAAAAAAAAAAAAAAAAAAAAAAAAAAAPAAAABQAAAAoAAAAHh4eAAAAAABkAAAAMgAAAAAAAABkAAAAAAAAAH9/fwAKAAAAHwAAAFQAAAC74OMF////AQAAAAAAAAAAAAAAAAAAAAAAAAAAAAAAAAAAAAAAAAAAHh4eAH9/fwCAgIADzMzMAB4eHgB/f38AAAAAAAAAAAAAAAAAAAAAAAAAAAAhAAAAGAAAABQAAADMGQAADQoAAKceAADoDgAAEAAAACYAAAAIAAAA//////////8="/>
               </a:ext>
             </a:extLst>
           </p:cNvSpPr>
@@ -8836,7 +8836,7 @@
           <p:cNvSpPr>
             <a:extLst>
               <a:ext uri="smNativeData">
-                <pr:smNativeData xmlns:pr="smNativeData" val="SMDATA_13_BbpsXRMAAAAlAAAAZAAAAA8BAAAAkAAAAEgAAACQAAAASAAAAAAAAAAAAAAAAAAAAAEAAABQAAAAAAAAAAAA4D8AAAAAAADgPwAAAAAAAOA/AAAAAAAA4D8AAAAAAADgPwAAAAAAAOA/AAAAAAAA4D8AAAAAAADgPwAAAAAAAOA/AAAAAAAA4D8CAAAAjAAAAAAAAAAAAAAAu+DjDP///wgAAAAAAAAAAAAAAAAAAAAAAAAAAAAAAAAAAAAAZAAAAAEAAABAAAAAAAAAAAAAAAAAAAAAAAAAAAAAAAAAAAAAAAAAAAAAAAAAAAAAAAAAAAAAAAAAAAAAAAAAAAAAAAAAAAAAAAAAAAAAAAAAAAAAAAAAAAAAAAAAAAAAFAAAADwAAAABAAAAAAAAAOokQgB4AAAAAQAAAAYAAAAAAAAAAAAAAAAAAAAAAAAAZAAAAGQAAAAAAAAAZAAAAGQAAAAVAAAAYAAAAAAAAAAAAAAADwAAACADAAAAAAAAAAAAAAEAAACgMgAAAAAAAAAAAAABAAAAf39/AAEAAABkAAAAAAAAABQAAABAHwAAAAAAACYAAAAAAAAAwOD//wAAAAAmAAAAZAAAABYAAABMAAAAAAAAAAAAAAAEAAAAAAAAAAEAAACAgIAKAAAAACgAAAAoAAAAZAAAAGQAAAAAAAAAzMzMAAAAAABQAAAAUAAAAGQAAABkAAAAAAAAABcAAAAUAAAAAAAAAAAAAAD/fwAA/38AAAAAAAAJAAAABAAAACAAcwAMAAAAEAAAAAAAAAAAAAAAAAAAAAAAAAAeAAAAaAAAAAAAAAAAAAAAAAAAAAAAAAAAAAAAECcAABAnAAAAAAAAAAAAAAAAAAAAAAAAAAAAAAAAAAAAAAAAPAAAABQAAAAoAAAA6iRCAAAAAABkAAAAMgAAAAAAAABkAAAAAAAAAH9/fwAKAAAAHwAAAFQAAAC74OMF////AQAAAAAAAAAAAAAAAAAAAAAAAAAAAAAAAAAAAAAAAAAA6iRCAH9/fwCAgIADzMzMAOokQgB/f38AAAAAAAAAAAAAAAAAAAAAAAAAAAAhAAAAGAAAABQAAADMGQAApRQAAKceAACAGQAAEAAAACYAAAAIAAAA//////////8="/>
+                <pr:smNativeData xmlns:pr="smNativeData" val="SMDATA_13_IrKAXRMAAAAlAAAAZAAAAA8BAAAAkAAAAEgAAACQAAAASAAAAAAAAAAAAAAAAAAAAAEAAABQAAAAAAAAAAAA4D8AAAAAAADgPwAAAAAAAOA/AAAAAAAA4D8AAAAAAADgPwAAAAAAAOA/AAAAAAAA4D8AAAAAAADgPwAAAAAAAOA/AAAAAAAA4D8CAAAAjAAAAAAAAAAAAAAAu+DjDP///wgAAAAAAAAAAAAAAAAAAAAAAAAAAAAAAAAAAAAAZAAAAAEAAABAAAAAAAAAAAAAAAAAAAAAAAAAAAAAAAAAAAAAAAAAAAAAAAAAAAAAAAAAAAAAAAAAAAAAAAAAAAAAAAAAAAAAAAAAAAAAAAAAAAAAAAAAAAAAAAAAAAAAFAAAADwAAAABAAAAAAAAAOokQgB4AAAAAQAAAAYAAAAAAAAAAAAAAAAAAAAAAAAAZAAAAGQAAAAAAAAAZAAAAGQAAAAVAAAAYAAAAAAAAAAAAAAADwAAACADAAAAAAAAAAAAAAEAAACgMgAAAAAAAAAAAAABAAAAf39/AAEAAABkAAAAAAAAABQAAABAHwAAAAAAACYAAAAAAAAAwOD//wAAAAAmAAAAZAAAABYAAABMAAAAAAAAAAAAAAAEAAAAAAAAAAEAAACAgIAKAAAAACgAAAAoAAAAZAAAAGQAAAAAAAAAzMzMAAAAAABQAAAAUAAAAGQAAABkAAAAAAAAABcAAAAUAAAAAAAAAAAAAAD/fwAA/38AAAAAAAAJAAAABAAAACAAcwAMAAAAEAAAAAAAAAAAAAAAAAAAAAAAAAAeAAAAaAAAAAAAAAAAAAAAAAAAAAAAAAAAAAAAECcAABAnAAAAAAAAAAAAAAAAAAAAAAAAAAAAAAAAAAAAAAAAPAAAABQAAAAoAAAA6iRCAAAAAABkAAAAMgAAAAAAAABkAAAAAAAAAH9/fwAKAAAAHwAAAFQAAAC74OMF////AQAAAAAAAAAAAAAAAAAAAAAAAAAAAAAAAAAAAAAAAAAA6iRCAH9/fwCAgIADzMzMAOokQgB/f38AAAAAAAAAAAAAAAAAAAAAAAAAAAAhAAAAGAAAABQAAADMGQAApRQAAKceAACAGQAAEAAAACYAAAAIAAAA//////////8="/>
               </a:ext>
             </a:extLst>
           </p:cNvSpPr>
@@ -8875,7 +8875,7 @@
           <p:cNvSpPr>
             <a:extLst>
               <a:ext uri="smNativeData">
-                <pr:smNativeData xmlns:pr="smNativeData" val="SMDATA_13_BbpsXRMAAAAlAAAAZAAAAA8BAAAAkAAAAEgAAACQAAAASAAAAAAAAAAAAAAAAAAAAAEAAABQAAAAAAAAAAAA4D8AAAAAAADgPwAAAAAAAOA/AAAAAAAA4D8AAAAAAADgPwAAAAAAAOA/AAAAAAAA4D8AAAAAAADgPwAAAAAAAOA/AAAAAAAA4D8CAAAAjAAAAAAAAAAAAAAAu+DjDP///wgAAAAAAAAAAAAAAAAAAAAAAAAAAAAAAAAAAAAAZAAAAAEAAABAAAAAAAAAAAAAAAAAAAAAAAAAAAAAAAAAAAAAAAAAAAAAAAAAAAAAAAAAAAAAAAAAAAAAAAAAAAAAAAAAAAAAAAAAAAAAAAAAAAAAAAAAAAAAAAAAAAAAFAAAADwAAAABAAAAAAAAAB4eHgB4AAAAAQAAAAYAAAAAAAAAAAAAAAAAAAAAAAAAZAAAAGQAAAAAAAAAZAAAAGQAAAAVAAAAYAAAAAAAAAAAAAAADwAAACADAAAAAAAAAAAAAAEAAACgMgAAAAAAAAAAAAABAAAAf39/AAEAAABkAAAAAAAAABQAAABAHwAAAAAAACYAAAAAAAAAwOD//wAAAAAmAAAAZAAAABYAAABMAAAAAAAAAAAAAAAEAAAAAAAAAAEAAACAgIAKAAAAACgAAAAoAAAAZAAAAGQAAAAAAAAAzMzMAAAAAABQAAAAUAAAAGQAAABkAAAAAAAAABcAAAAUAAAAAAAAAAAAAAD/fwAA/38AAAAAAAAJAAAABAAAAAAAAAAMAAAAEAAAAAAAAAAAAAAAAAAAAAAAAAAeAAAAaAAAAAAAAAAAAAAAAAAAAAAAAAAAAAAAECcAABAnAAAAAAAAAAAAAAAAAAAAAAAAAAAAAAAAAAAAAAAAPAAAABQAAAAoAAAAHh4eAAAAAABkAAAAMgAAAAAAAABkAAAAAAAAAH9/fwAKAAAAHwAAAFQAAAC74OMF////AQAAAAAAAAAAAAAAAAAAAAAAAAAAAAAAAAAAAAAAAAAAHh4eAH9/fwCAgIADzMzMAB4eHgB/f38AAAAAAAAAAAAAAAAAAAAAAAAAAAAhAAAAGAAAABQAAADMGQAAZRwAAKceAABAIQAAEAAAACYAAAAIAAAA//////////8="/>
+                <pr:smNativeData xmlns:pr="smNativeData" val="SMDATA_13_IrKAXRMAAAAlAAAAZAAAAA8BAAAAkAAAAEgAAACQAAAASAAAAAAAAAAAAAAAAAAAAAEAAABQAAAAAAAAAAAA4D8AAAAAAADgPwAAAAAAAOA/AAAAAAAA4D8AAAAAAADgPwAAAAAAAOA/AAAAAAAA4D8AAAAAAADgPwAAAAAAAOA/AAAAAAAA4D8CAAAAjAAAAAAAAAAAAAAAu+DjDP///wgAAAAAAAAAAAAAAAAAAAAAAAAAAAAAAAAAAAAAZAAAAAEAAABAAAAAAAAAAAAAAAAAAAAAAAAAAAAAAAAAAAAAAAAAAAAAAAAAAAAAAAAAAAAAAAAAAAAAAAAAAAAAAAAAAAAAAAAAAAAAAAAAAAAAAAAAAAAAAAAAAAAAFAAAADwAAAABAAAAAAAAAB4eHgB4AAAAAQAAAAYAAAAAAAAAAAAAAAAAAAAAAAAAZAAAAGQAAAAAAAAAZAAAAGQAAAAVAAAAYAAAAAAAAAAAAAAADwAAACADAAAAAAAAAAAAAAEAAACgMgAAAAAAAAAAAAABAAAAf39/AAEAAABkAAAAAAAAABQAAABAHwAAAAAAACYAAAAAAAAAwOD//wAAAAAmAAAAZAAAABYAAABMAAAAAAAAAAAAAAAEAAAAAAAAAAEAAACAgIAKAAAAACgAAAAoAAAAZAAAAGQAAAAAAAAAzMzMAAAAAABQAAAAUAAAAGQAAABkAAAAAAAAABcAAAAUAAAAAAAAAAAAAAD/fwAA/38AAAAAAAAJAAAABAAAAAAAAAAMAAAAEAAAAAAAAAAAAAAAAAAAAAAAAAAeAAAAaAAAAAAAAAAAAAAAAAAAAAAAAAAAAAAAECcAABAnAAAAAAAAAAAAAAAAAAAAAAAAAAAAAAAAAAAAAAAAPAAAABQAAAAoAAAAHh4eAAAAAABkAAAAMgAAAAAAAABkAAAAAAAAAH9/fwAKAAAAHwAAAFQAAAC74OMF////AQAAAAAAAAAAAAAAAAAAAAAAAAAAAAAAAAAAAAAAAAAAHh4eAH9/fwCAgIADzMzMAB4eHgB/f38AAAAAAAAAAAAAAAAAAAAAAAAAAAAhAAAAGAAAABQAAADMGQAAZRwAAKceAABAIQAAEAAAACYAAAAIAAAA//////////8="/>
               </a:ext>
             </a:extLst>
           </p:cNvSpPr>
@@ -8914,7 +8914,7 @@
           <p:cNvSpPr>
             <a:extLst>
               <a:ext uri="smNativeData">
-                <pr:smNativeData xmlns:pr="smNativeData" val="SMDATA_13_BbpsXRMAAAAlAAAAZAAAAA8BAAAAkAAAAEgAAACQAAAASAAAAAAAAAAAAAAAAAAAAAEAAABQAAAAAAAAAAAA4D8AAAAAAADgPwAAAAAAAOA/AAAAAAAA4D8AAAAAAADgPwAAAAAAAOA/AAAAAAAA4D8AAAAAAADgPwAAAAAAAOA/AAAAAAAA4D8CAAAAjAAAAAAAAAAAAAAAu+DjDP///wgAAAAAAAAAAAAAAAAAAAAAAAAAAAAAAAAAAAAAZAAAAAEAAABAAAAAAAAAAAAAAAAAAAAAAAAAAAAAAAAAAAAAAAAAAAAAAAAAAAAAAAAAAAAAAAAAAAAAAAAAAAAAAAAAAAAAAAAAAAAAAAAAAAAAAAAAAAAAAAAAAAAAFAAAADwAAAABAAAAAAAAAB4eHgB4AAAAAQAAAAYAAAAAAAAAAAAAAAAAAAAAAAAAZAAAAGQAAAAAAAAAZAAAAGQAAAAVAAAAYAAAAAAAAAAAAAAADwAAACADAAAAAAAAAAAAAAEAAACgMgAAAAAAAAAAAAABAAAAf39/AAEAAABkAAAAAAAAABQAAABAHwAAAAAAACYAAAAAAAAAwOD//wAAAAAmAAAAZAAAABYAAABMAAAAAAAAAAAAAAAEAAAAAAAAAAEAAACAgIAKAAAAACgAAAAoAAAAZAAAAGQAAAAAAAAAzMzMAAAAAABQAAAAUAAAAGQAAABkAAAAAAAAABcAAAAUAAAAAAAAAAAAAAD/fwAA/38AAAAAAAAJAAAABAAAAAIA/f8MAAAAEAAAAAAAAAAAAAAAAAAAAAAAAAAeAAAAaAAAAAAAAAAAAAAAAAAAAAAAAAAAAAAAECcAABAnAAAAAAAAAAAAAAAAAAAAAAAAAAAAAAAAAAAAAAAAPAAAABQAAAAoAAAAHh4eAAAAAABkAAAAMgAAAAAAAABkAAAAAAAAAH9/fwAKAAAAHwAAAFQAAAC74OMF////AQAAAAAAAAAAAAAAAAAAAAAAAAAAAAAAAAAAAAAAAAAAHh4eAH9/fwCAgIADzMzMAB4eHgB/f38AAAAAAAAAAAAAAAAAAAAAAAAAAAAhAAAAGAAAABQAAAA3DAAAGCQAABIRAADzKAAAEAAAACYAAAAIAAAA//////////8="/>
+                <pr:smNativeData xmlns:pr="smNativeData" val="SMDATA_13_IrKAXRMAAAAlAAAAZAAAAA8BAAAAkAAAAEgAAACQAAAASAAAAAAAAAAAAAAAAAAAAAEAAABQAAAAAAAAAAAA4D8AAAAAAADgPwAAAAAAAOA/AAAAAAAA4D8AAAAAAADgPwAAAAAAAOA/AAAAAAAA4D8AAAAAAADgPwAAAAAAAOA/AAAAAAAA4D8CAAAAjAAAAAAAAAAAAAAAu+DjDP///wgAAAAAAAAAAAAAAAAAAAAAAAAAAAAAAAAAAAAAZAAAAAEAAABAAAAAAAAAAAAAAAAAAAAAAAAAAAAAAAAAAAAAAAAAAAAAAAAAAAAAAAAAAAAAAAAAAAAAAAAAAAAAAAAAAAAAAAAAAAAAAAAAAAAAAAAAAAAAAAAAAAAAFAAAADwAAAABAAAAAAAAAB4eHgB4AAAAAQAAAAYAAAAAAAAAAAAAAAAAAAAAAAAAZAAAAGQAAAAAAAAAZAAAAGQAAAAVAAAAYAAAAAAAAAAAAAAADwAAACADAAAAAAAAAAAAAAEAAACgMgAAAAAAAAAAAAABAAAAf39/AAEAAABkAAAAAAAAABQAAABAHwAAAAAAACYAAAAAAAAAwOD//wAAAAAmAAAAZAAAABYAAABMAAAAAAAAAAAAAAAEAAAAAAAAAAEAAACAgIAKAAAAACgAAAAoAAAAZAAAAGQAAAAAAAAAzMzMAAAAAABQAAAAUAAAAGQAAABkAAAAAAAAABcAAAAUAAAAAAAAAAAAAAD/fwAA/38AAAAAAAAJAAAABAAAAAIA/f8MAAAAEAAAAAAAAAAAAAAAAAAAAAAAAAAeAAAAaAAAAAAAAAAAAAAAAAAAAAAAAAAAAAAAECcAABAnAAAAAAAAAAAAAAAAAAAAAAAAAAAAAAAAAAAAAAAAPAAAABQAAAAoAAAAHh4eAAAAAABkAAAAMgAAAAAAAABkAAAAAAAAAH9/fwAKAAAAHwAAAFQAAAC74OMF////AQAAAAAAAAAAAAAAAAAAAAAAAAAAAAAAAAAAAAAAAAAAHh4eAH9/fwCAgIADzMzMAB4eHgB/f38AAAAAAAAAAAAAAAAAAAAAAAAAAAAhAAAAGAAAABQAAAA3DAAAGCQAABIRAADzKAAAEAAAACYAAAAIAAAA//////////8="/>
               </a:ext>
             </a:extLst>
           </p:cNvSpPr>
@@ -8953,7 +8953,7 @@
           <p:cNvSpPr>
             <a:extLst>
               <a:ext uri="smNativeData">
-                <pr:smNativeData xmlns:pr="smNativeData" val="SMDATA_13_BbpsXRMAAAAlAAAAZAAAAA8BAAAAkAAAAEgAAACQAAAASAAAAAAAAAAAAAAAAAAAAAEAAABQAAAAAAAAAAAA4D8AAAAAAADgPwAAAAAAAOA/AAAAAAAA4D8AAAAAAADgPwAAAAAAAOA/AAAAAAAA4D8AAAAAAADgPwAAAAAAAOA/AAAAAAAA4D8CAAAAjAAAAAAAAAAAAAAAu+DjDP///wgAAAAAAAAAAAAAAAAAAAAAAAAAAAAAAAAAAAAAZAAAAAEAAABAAAAAAAAAAAAAAAAAAAAAAAAAAAAAAAAAAAAAAAAAAAAAAAAAAAAAAAAAAAAAAAAAAAAAAAAAAAAAAAAAAAAAAAAAAAAAAAAAAAAAAAAAAAAAAAAAAAAAFAAAADwAAAABAAAAAAAAAB4eHgB4AAAAAQAAAAYAAAAAAAAAAAAAAAAAAAAAAAAAZAAAAGQAAAAAAAAAZAAAAGQAAAAVAAAAYAAAAAAAAAAAAAAADwAAACADAAAAAAAAAAAAAAEAAACgMgAAAAAAAAAAAAABAAAAf39/AAEAAABkAAAAAAAAABQAAABAHwAAAAAAACYAAAAAAAAAwOD//wAAAAAmAAAAZAAAABYAAABMAAAAAAAAAAAAAAAEAAAAAAAAAAEAAACAgIAKAAAAACgAAAAoAAAAZAAAAGQAAAAAAAAAzMzMAAAAAABQAAAAUAAAAGQAAABkAAAAAAAAABcAAAAUAAAAAAAAAAAAAAD/fwAA/38AAAAAAAAJAAAABAAAAAIA/f8MAAAAEAAAAAAAAAAAAAAAAAAAAAAAAAAeAAAAaAAAAAAAAAAAAAAAAAAAAAAAAAAAAAAAECcAABAnAAAAAAAAAAAAAAAAAAAAAAAAAAAAAAAAAAAAAAAAPAAAABQAAAAoAAAAHh4eAAAAAABkAAAAMgAAAAAAAABkAAAAAAAAAH9/fwAKAAAAHwAAAFQAAAC74OMF////AQAAAAAAAAAAAAAAAAAAAAAAAAAAAAAAAAAAAAAAAAAAHh4eAH9/fwCAgIADzMzMAB4eHgB/f38AAAAAAAAAAAAAAAAAAAAAAAAAAAAhAAAAGAAAABQAAABcDAAApRQAADcRAACAGQAAEAAAACYAAAAIAAAA//////////8="/>
+                <pr:smNativeData xmlns:pr="smNativeData" val="SMDATA_13_IrKAXRMAAAAlAAAAZAAAAA8BAAAAkAAAAEgAAACQAAAASAAAAAAAAAAAAAAAAAAAAAEAAABQAAAAAAAAAAAA4D8AAAAAAADgPwAAAAAAAOA/AAAAAAAA4D8AAAAAAADgPwAAAAAAAOA/AAAAAAAA4D8AAAAAAADgPwAAAAAAAOA/AAAAAAAA4D8CAAAAjAAAAAAAAAAAAAAAu+DjDP///wgAAAAAAAAAAAAAAAAAAAAAAAAAAAAAAAAAAAAAZAAAAAEAAABAAAAAAAAAAAAAAAAAAAAAAAAAAAAAAAAAAAAAAAAAAAAAAAAAAAAAAAAAAAAAAAAAAAAAAAAAAAAAAAAAAAAAAAAAAAAAAAAAAAAAAAAAAAAAAAAAAAAAFAAAADwAAAABAAAAAAAAAB4eHgB4AAAAAQAAAAYAAAAAAAAAAAAAAAAAAAAAAAAAZAAAAGQAAAAAAAAAZAAAAGQAAAAVAAAAYAAAAAAAAAAAAAAADwAAACADAAAAAAAAAAAAAAEAAACgMgAAAAAAAAAAAAABAAAAf39/AAEAAABkAAAAAAAAABQAAABAHwAAAAAAACYAAAAAAAAAwOD//wAAAAAmAAAAZAAAABYAAABMAAAAAAAAAAAAAAAEAAAAAAAAAAEAAACAgIAKAAAAACgAAAAoAAAAZAAAAGQAAAAAAAAAzMzMAAAAAABQAAAAUAAAAGQAAABkAAAAAAAAABcAAAAUAAAAAAAAAAAAAAD/fwAA/38AAAAAAAAJAAAABAAAAAIA/f8MAAAAEAAAAAAAAAAAAAAAAAAAAAAAAAAeAAAAaAAAAAAAAAAAAAAAAAAAAAAAAAAAAAAAECcAABAnAAAAAAAAAAAAAAAAAAAAAAAAAAAAAAAAAAAAAAAAPAAAABQAAAAoAAAAHh4eAAAAAABkAAAAMgAAAAAAAABkAAAAAAAAAH9/fwAKAAAAHwAAAFQAAAC74OMF////AQAAAAAAAAAAAAAAAAAAAAAAAAAAAAAAAAAAAAAAAAAAHh4eAH9/fwCAgIADzMzMAB4eHgB/f38AAAAAAAAAAAAAAAAAAAAAAAAAAAAhAAAAGAAAABQAAABcDAAApRQAADcRAACAGQAAEAAAACYAAAAIAAAA//////////8="/>
               </a:ext>
             </a:extLst>
           </p:cNvSpPr>
@@ -8992,7 +8992,7 @@
           <p:cNvSpPr>
             <a:extLst>
               <a:ext uri="smNativeData">
-                <pr:smNativeData xmlns:pr="smNativeData" val="SMDATA_13_BbpsXRMAAAAlAAAAZAAAAA8BAAAAkAAAAEgAAACQAAAASAAAAAAAAAAAAAAAAAAAAAEAAABQAAAAAAAAAAAA4D8AAAAAAADgPwAAAAAAAOA/AAAAAAAA4D8AAAAAAADgPwAAAAAAAOA/AAAAAAAA4D8AAAAAAADgPwAAAAAAAOA/AAAAAAAA4D8CAAAAjAAAAAAAAAAAAAAAu+DjDP///wgAAAAAAAAAAAAAAAAAAAAAAAAAAAAAAAAAAAAAZAAAAAEAAABAAAAAAAAAAAAAAAAAAAAAAAAAAAAAAAAAAAAAAAAAAAAAAAAAAAAAAAAAAAAAAAAAAAAAAAAAAAAAAAAAAAAAAAAAAAAAAAAAAAAAAAAAAAAAAAAAAAAAFAAAADwAAAABAAAAAAAAABx9HAA8AAAAAQAAAAMAAAAAAAAAAAAAAAAAAAAAAAAAZAAAAGQAAAAAAAAAZAAAAGQAAAAVAAAAYAAAAAAAAAAAAAAADwAAACADAAAAAAAAAAAAAAEAAACgMgAAAAAAAAAAAAABAAAAf39/AAEAAABkAAAAAAAAABQAAABAHwAAAAAAACYAAAAAAAAAwOD//wAAAAAmAAAAZAAAABYAAABMAAAAAAAAAAAAAAAEAAAAAAAAAAEAAACAgIAKAAAAACgAAAAoAAAAZAAAAGQAAAAAAAAAzMzMAAAAAABQAAAAUAAAAGQAAABkAAAAAAAAABcAAAAUAAAAAAAAAAAAAAD/fwAA/38AAAAAAAAJAAAABAAAAAAAAAAMAAAAEAAAAAAAAAAAAAAAAAAAAAAAAAAeAAAAaAAAAAAAAAAAAAAAAAAAAAAAAAAAAAAAECcAABAnAAAAAAAAAAAAAAAAAAAAAAAAAAAAAAAAAAAAAAAAPAAAABQAAAAoAAAAHH0cAAAAAABkAAAAMgAAAAAAAABkAAAAAAAAAH9/fwAKAAAAHwAAAFQAAAC74OMF////AQAAAAAAAAAAAAAAAAAAAAAAAAAAAAAAAAAAAAAAAAAAHH0cAH9/fwCAgIADzMzMABx9HAB/f38AAAAAAAAAAAAAAAAAAAAAAAAAAAAhAAAAGAAAABQAAAAnCgAAUhMAAGwTAABEGwAAEAAAACYAAAAIAAAA//////////8="/>
+                <pr:smNativeData xmlns:pr="smNativeData" val="SMDATA_13_IrKAXRMAAAAlAAAAZAAAAA8BAAAAkAAAAEgAAACQAAAASAAAAAAAAAAAAAAAAAAAAAEAAABQAAAAAAAAAAAA4D8AAAAAAADgPwAAAAAAAOA/AAAAAAAA4D8AAAAAAADgPwAAAAAAAOA/AAAAAAAA4D8AAAAAAADgPwAAAAAAAOA/AAAAAAAA4D8CAAAAjAAAAAAAAAAAAAAAu+DjDP///wgAAAAAAAAAAAAAAAAAAAAAAAAAAAAAAAAAAAAAZAAAAAEAAABAAAAAAAAAAAAAAAAAAAAAAAAAAAAAAAAAAAAAAAAAAAAAAAAAAAAAAAAAAAAAAAAAAAAAAAAAAAAAAAAAAAAAAAAAAAAAAAAAAAAAAAAAAAAAAAAAAAAAFAAAADwAAAABAAAAAAAAABx9HAA8AAAAAQAAAAMAAAAAAAAAAAAAAAAAAAAAAAAAZAAAAGQAAAAAAAAAZAAAAGQAAAAVAAAAYAAAAAAAAAAAAAAADwAAACADAAAAAAAAAAAAAAEAAACgMgAAAAAAAAAAAAABAAAAf39/AAEAAABkAAAAAAAAABQAAABAHwAAAAAAACYAAAAAAAAAwOD//wAAAAAmAAAAZAAAABYAAABMAAAAAAAAAAAAAAAEAAAAAAAAAAEAAACAgIAKAAAAACgAAAAoAAAAZAAAAGQAAAAAAAAAzMzMAAAAAABQAAAAUAAAAGQAAABkAAAAAAAAABcAAAAUAAAAAAAAAAAAAAD/fwAA/38AAAAAAAAJAAAABAAAAAAAAAAMAAAAEAAAAAAAAAAAAAAAAAAAAAAAAAAeAAAAaAAAAAAAAAAAAAAAAAAAAAAAAAAAAAAAECcAABAnAAAAAAAAAAAAAAAAAAAAAAAAAAAAAAAAAAAAAAAAPAAAABQAAAAoAAAAHH0cAAAAAABkAAAAMgAAAAAAAABkAAAAAAAAAH9/fwAKAAAAHwAAAFQAAAC74OMF////AQAAAAAAAAAAAAAAAAAAAAAAAAAAAAAAAAAAAAAAAAAAHH0cAH9/fwCAgIADzMzMABx9HAB/f38AAAAAAAAAAAAAAAAAAAAAAAAAAAAhAAAAGAAAABQAAAAnCgAAUhMAAGwTAABEGwAAEAAAACYAAAAIAAAA//////////8="/>
               </a:ext>
             </a:extLst>
           </p:cNvSpPr>
@@ -9031,7 +9031,7 @@
           <p:cNvSpPr txBox="1">
             <a:extLst>
               <a:ext uri="smNativeData">
-                <pr:smNativeData xmlns:pr="smNativeData" val="SMDATA_13_BbpsXRMAAAAlAAAAEgAAAE8BAAAAkAAAAEgAAACQAAAASAAAAAAAAAAAAAAAAAAAAAEAAABQAAAAAAAAAAAA4D8AAAAAAADgPwAAAAAAAOA/AAAAAAAA4D8AAAAAAADgPwAAAAAAAOA/AAAAAAAA4D8AAAAAAADgPwAAAAAAAOA/AAAAAAAA4D8CAAAAjAAAAAAAAAAAAAAAu+DjDP///wgAAAAAAAAAAAAAAAAAAAAAAAAAAAAAAAAAAAAAZAAAAAEAAABAAAAAAAAAAAAAAAAAAAAAAAAAAAAAAAAAAAAAAAAAAAAAAAAAAAAAAAAAAAAAAAAAAAAAAAAAAAAAAAAAAAAAAAAAAAAAAAAAAAAAAAAAAAAAAAAAAAAAFAAAADwAAAAAAAAAAAAAAAAAAAkUAAAAAQAAABQAAAAUAAAAFAAAAAEAAAAAAAAAZAAAAGQAAAAAAAAAZAAAAGQAAAAVAAAAYAAAAAAAAAAAAAAADwAAACADAAAAAAAAAAAAAAEAAACgMgAAVgcAAKr4//8BAAAAf39/AAEAAABkAAAAAAAAABQAAABAHwAAAAAAACYAAAAAAAAAwOD//wAAAAAmAAAAZAAAABYAAABMAAAAAAAAAAAAAAAEAAAAAAAAAAEAAACAgIAKAAAAACgAAAAoAAAAZAAAAGQAAAAAAAAAzMzMAAAAAABQAAAAUAAAAGQAAABkAAAAAAAAABcAAAAUAAAAAAAAANwIAAD/fwAA/38AAAAAAAAJAAAABAAAAAAAAAAMAAAAEAAAAAAAAAAAAAAAAAAAAAAAAAAeAAAAaAAAAAAAAAAAAAAAAAAAAAAAAAAAAAAAECcAABAnAAAAAAAAAAAAAAAAAAAAAAAAAAAAAAAAAAAAAAAAAAAAABQAAAAAAAAAwMD/AAAAAABkAAAAMgAAAAAAAABkAAAAAAAAAH9/fwAKAAAAHwAAAFQAAAC74OMF////AQAAAAAAAAAAAAAAAAAAAAAAAAAAAAAAAAAAAAAAAAAAAAAAAn9/fwCAgIADzMzMAMDA/wB/f38AAAAAAAAAAAAAAAAAAAAAAAAAAAAhAAAAGAAAABQAAAADGgAA5woAAHUeAAB3DgAAECAAACYAAAAIAAAA//////////8="/>
+                <pr:smNativeData xmlns:pr="smNativeData" val="SMDATA_13_IrKAXRMAAAAlAAAAEgAAAE8BAAAAkAAAAEgAAACQAAAASAAAAAAAAAAAAAAAAAAAAAEAAABQAAAAAAAAAAAA4D8AAAAAAADgPwAAAAAAAOA/AAAAAAAA4D8AAAAAAADgPwAAAAAAAOA/AAAAAAAA4D8AAAAAAADgPwAAAAAAAOA/AAAAAAAA4D8CAAAAjAAAAAAAAAAAAAAAu+DjDP///wgAAAAAAAAAAAAAAAAAAAAAAAAAAAAAAAAAAAAAZAAAAAEAAABAAAAAAAAAAAAAAAAAAAAAAAAAAAAAAAAAAAAAAAAAAAAAAAAAAAAAAAAAAAAAAAAAAAAAAAAAAAAAAAAAAAAAAAAAAAAAAAAAAAAAAAAAAAAAAAAAAAAAFAAAADwAAAAAAAAAAAAAAAAAAAkUAAAAAQAAABQAAAAUAAAAFAAAAAEAAAAAAAAAZAAAAGQAAAAAAAAAZAAAAGQAAAAVAAAAYAAAAAAAAAAAAAAADwAAACADAAAAAAAAAAAAAAEAAACgMgAAVgcAAKr4//8BAAAAf39/AAEAAABkAAAAAAAAABQAAABAHwAAAAAAACYAAAAAAAAAwOD//wAAAAAmAAAAZAAAABYAAABMAAAAAAAAAAAAAAAEAAAAAAAAAAEAAACAgIAKAAAAACgAAAAoAAAAZAAAAGQAAAAAAAAAzMzMAAAAAABQAAAAUAAAAGQAAABkAAAAAAAAABcAAAAUAAAAAAAAANwIAAD/fwAA/38AAAAAAAAJAAAABAAAAAAAAAAMAAAAEAAAAAAAAAAAAAAAAAAAAAAAAAAeAAAAaAAAAAAAAAAAAAAAAAAAAAAAAAAAAAAAECcAABAnAAAAAAAAAAAAAAAAAAAAAAAAAAAAAAAAAAAAAAAAAAAAABQAAAAAAAAAwMD/AAAAAABkAAAAMgAAAAAAAABkAAAAAAAAAH9/fwAKAAAAHwAAAFQAAAC74OMF////AQAAAAAAAAAAAAAAAAAAAAAAAAAAAAAAAAAAAAAAAAAAAAAAAn9/fwCAgIADzMzMAMDA/wB/f38AAAAAAAAAAAAAAAAAAAAAAAAAAAAhAAAAGAAAABQAAAADGgAA5woAAHUeAAB3DgAAECAAACYAAAAIAAAA//////////8="/>
               </a:ext>
             </a:extLst>
           </p:cNvSpPr>
@@ -9094,7 +9094,7 @@
           <p:cNvSpPr txBox="1">
             <a:extLst>
               <a:ext uri="smNativeData">
-                <pr:smNativeData xmlns:pr="smNativeData" val="SMDATA_13_BbpsXRMAAAAlAAAAEgAAAE8BAAAAkAAAAEgAAACQAAAASAAAAAAAAAAAAAAAAAAAAAEAAABQAAAAAAAAAAAA4D8AAAAAAADgPwAAAAAAAOA/AAAAAAAA4D8AAAAAAADgPwAAAAAAAOA/AAAAAAAA4D8AAAAAAADgPwAAAAAAAOA/AAAAAAAA4D8CAAAAjAAAAAAAAAAAAAAAu+DjDP///wgAAAAAAAAAAAAAAAAAAAAAAAAAAAAAAAAAAAAAZAAAAAEAAABAAAAAAAAAAAAAAAAAAAAAAAAAAAAAAAAAAAAAAAAAAAAAAAAAAAAAAAAAAAAAAAAAAAAAAAAAAAAAAAAAAAAAAAAAAAAAAAAAAAAAAAAAAAAAAAAAAAAAFAAAADwAAAAAAAAAAAAAAAAAAAkUAAAAAQAAABQAAAAUAAAAFAAAAAEAAAAAAAAAZAAAAGQAAAAAAAAAZAAAAGQAAAAVAAAAYAAAAAAAAAAAAAAADwAAACADAAAAAAAAAAAAAAEAAACgMgAAVgcAAKr4//8BAAAAf39/AAEAAABkAAAAAAAAABQAAABAHwAAAAAAACYAAAAAAAAAwOD//wAAAAAmAAAAZAAAABYAAABMAAAAAAAAAAAAAAAEAAAAAAAAAAEAAACAgIAKAAAAACgAAAAoAAAAZAAAAGQAAAAAAAAAzMzMAAAAAABQAAAAUAAAAGQAAABkAAAAAAAAABcAAAAUAAAAAAAAANwIAAD/fwAA/38AAAAAAAAJAAAABAAAAAIA/f8MAAAAEAAAAAAAAAAAAAAAAAAAAAAAAAAeAAAAaAAAAAAAAAAAAAAAAAAAAAAAAAAAAAAAECcAABAnAAAAAAAAAAAAAAAAAAAAAAAAAAAAAAAAAAAAAAAAAAAAABQAAAAAAAAAwMD/AAAAAABkAAAAMgAAAAAAAABkAAAAAAAAAH9/fwAKAAAAHwAAAFQAAAC74OMF////AQAAAAAAAAAAAAAAAAAAAAAAAAAAAAAAAAAAAAAAAAAAAAAAAn9/fwCAgIADzMzMAMDA/wB/f38AAAAAAAAAAAAAAAAAAAAAAAAAAAAhAAAAGAAAABQAAAB6CwAADhUAABkSAADeFwAAECAAACYAAAAIAAAA//////////8="/>
+                <pr:smNativeData xmlns:pr="smNativeData" val="SMDATA_13_IrKAXRMAAAAlAAAAEgAAAE8BAAAAkAAAAEgAAACQAAAASAAAAAAAAAAAAAAAAAAAAAEAAABQAAAAAAAAAAAA4D8AAAAAAADgPwAAAAAAAOA/AAAAAAAA4D8AAAAAAADgPwAAAAAAAOA/AAAAAAAA4D8AAAAAAADgPwAAAAAAAOA/AAAAAAAA4D8CAAAAjAAAAAAAAAAAAAAAu+DjDP///wgAAAAAAAAAAAAAAAAAAAAAAAAAAAAAAAAAAAAAZAAAAAEAAABAAAAAAAAAAAAAAAAAAAAAAAAAAAAAAAAAAAAAAAAAAAAAAAAAAAAAAAAAAAAAAAAAAAAAAAAAAAAAAAAAAAAAAAAAAAAAAAAAAAAAAAAAAAAAAAAAAAAAFAAAADwAAAAAAAAAAAAAAAAAAAkUAAAAAQAAABQAAAAUAAAAFAAAAAEAAAAAAAAAZAAAAGQAAAAAAAAAZAAAAGQAAAAVAAAAYAAAAAAAAAAAAAAADwAAACADAAAAAAAAAAAAAAEAAACgMgAAVgcAAKr4//8BAAAAf39/AAEAAABkAAAAAAAAABQAAABAHwAAAAAAACYAAAAAAAAAwOD//wAAAAAmAAAAZAAAABYAAABMAAAAAAAAAAAAAAAEAAAAAAAAAAEAAACAgIAKAAAAACgAAAAoAAAAZAAAAGQAAAAAAAAAzMzMAAAAAABQAAAAUAAAAGQAAABkAAAAAAAAABcAAAAUAAAAAAAAANwIAAD/fwAA/38AAAAAAAAJAAAABAAAAAIA/f8MAAAAEAAAAAAAAAAAAAAAAAAAAAAAAAAeAAAAaAAAAAAAAAAAAAAAAAAAAAAAAAAAAAAAECcAABAnAAAAAAAAAAAAAAAAAAAAAAAAAAAAAAAAAAAAAAAAAAAAABQAAAAAAAAAwMD/AAAAAABkAAAAMgAAAAAAAABkAAAAAAAAAH9/fwAKAAAAHwAAAFQAAAC74OMF////AQAAAAAAAAAAAAAAAAAAAAAAAAAAAAAAAAAAAAAAAAAAAAAAAn9/fwCAgIADzMzMAMDA/wB/f38AAAAAAAAAAAAAAAAAAAAAAAAAAAAhAAAAGAAAABQAAAB6CwAADhUAABkSAADeFwAAECAAACYAAAAIAAAA//////////8="/>
               </a:ext>
             </a:extLst>
           </p:cNvSpPr>
@@ -9155,7 +9155,7 @@
           <p:cNvSpPr txBox="1">
             <a:extLst>
               <a:ext uri="smNativeData">
-                <pr:smNativeData xmlns:pr="smNativeData" val="SMDATA_13_BbpsXRMAAAAlAAAAEgAAAE8BAAAAkAAAAEgAAACQAAAASAAAAAAAAAAAAAAAAAAAAAEAAABQAAAAAAAAAAAA4D8AAAAAAADgPwAAAAAAAOA/AAAAAAAA4D8AAAAAAADgPwAAAAAAAOA/AAAAAAAA4D8AAAAAAADgPwAAAAAAAOA/AAAAAAAA4D8CAAAAjAAAAAAAAAAAAAAAu+DjDP///wgAAAAAAAAAAAAAAAAAAAAAAAAAAAAAAAAAAAAAZAAAAAEAAABAAAAAAAAAAAAAAAAAAAAAAAAAAAAAAAAAAAAAAAAAAAAAAAAAAAAAAAAAAAAAAAAAAAAAAAAAAAAAAAAAAAAAAAAAAAAAAAAAAAAAAAAAAAAAAAAAAAAAFAAAADwAAAAAAAAAAAAAAAAAAAkUAAAAAQAAABQAAAAUAAAAFAAAAAEAAAAAAAAAZAAAAGQAAAAAAAAAZAAAAGQAAAAVAAAAYAAAAAAAAAAAAAAADwAAACADAAAAAAAAAAAAAAEAAACgMgAAVgcAAKr4//8BAAAAf39/AAEAAABkAAAAAAAAABQAAABAHwAAAAAAACYAAAAAAAAAwOD//wAAAAAmAAAAZAAAABYAAABMAAAAAAAAAAAAAAAEAAAAAAAAAAEAAACAgIAKAAAAACgAAAAoAAAAZAAAAGQAAAAAAAAAzMzMAAAAAABQAAAAUAAAAGQAAABkAAAAAAAAABcAAAAUAAAAAAAAANwIAAD/fwAA/38AAAAAAAAJAAAABAAAAAAAAAAMAAAAEAAAAAAAAAAAAAAAAAAAAAAAAAAeAAAAaAAAAAAAAAAAAAAAAAAAAAAAAAAAAAAAECcAABAnAAAAAAAAAAAAAAAAAAAAAAAAAAAAAAAAAAAAAAAAAAAAABQAAAAAAAAAwMD/AAAAAABkAAAAMgAAAAAAAABkAAAAAAAAAH9/fwAKAAAAHwAAAFQAAAC74OMF////AQAAAAAAAAAAAAAAAAAAAAAAAAAAAAAAAAAAAAAAAAAAAAAAAn9/fwCAgIADzMzMAMDA/wB/f38AAAAAAAAAAAAAAAAAAAAAAAAAAAAhAAAAGAAAABQAAAB6CwAA+iQAABkSAACqJgAAECAAACYAAAAIAAAA//////////8="/>
+                <pr:smNativeData xmlns:pr="smNativeData" val="SMDATA_13_IrKAXRMAAAAlAAAAEgAAAE8BAAAAkAAAAEgAAACQAAAASAAAAAAAAAAAAAAAAAAAAAEAAABQAAAAAAAAAAAA4D8AAAAAAADgPwAAAAAAAOA/AAAAAAAA4D8AAAAAAADgPwAAAAAAAOA/AAAAAAAA4D8AAAAAAADgPwAAAAAAAOA/AAAAAAAA4D8CAAAAjAAAAAAAAAAAAAAAu+DjDP///wgAAAAAAAAAAAAAAAAAAAAAAAAAAAAAAAAAAAAAZAAAAAEAAABAAAAAAAAAAAAAAAAAAAAAAAAAAAAAAAAAAAAAAAAAAAAAAAAAAAAAAAAAAAAAAAAAAAAAAAAAAAAAAAAAAAAAAAAAAAAAAAAAAAAAAAAAAAAAAAAAAAAAFAAAADwAAAAAAAAAAAAAAAAAAAkUAAAAAQAAABQAAAAUAAAAFAAAAAEAAAAAAAAAZAAAAGQAAAAAAAAAZAAAAGQAAAAVAAAAYAAAAAAAAAAAAAAADwAAACADAAAAAAAAAAAAAAEAAACgMgAAVgcAAKr4//8BAAAAf39/AAEAAABkAAAAAAAAABQAAABAHwAAAAAAACYAAAAAAAAAwOD//wAAAAAmAAAAZAAAABYAAABMAAAAAAAAAAAAAAAEAAAAAAAAAAEAAACAgIAKAAAAACgAAAAoAAAAZAAAAGQAAAAAAAAAzMzMAAAAAABQAAAAUAAAAGQAAABkAAAAAAAAABcAAAAUAAAAAAAAANwIAAD/fwAA/38AAAAAAAAJAAAABAAAAAAAAAAMAAAAEAAAAAAAAAAAAAAAAAAAAAAAAAAeAAAAaAAAAAAAAAAAAAAAAAAAAAAAAAAAAAAAECcAABAnAAAAAAAAAAAAAAAAAAAAAAAAAAAAAAAAAAAAAAAAAAAAABQAAAAAAAAAwMD/AAAAAABkAAAAMgAAAAAAAABkAAAAAAAAAH9/fwAKAAAAHwAAAFQAAAC74OMF////AQAAAAAAAAAAAAAAAAAAAAAAAAAAAAAAAAAAAAAAAAAAAAAAAn9/fwCAgIADzMzMAMDA/wB/f38AAAAAAAAAAAAAAAAAAAAAAAAAAAAhAAAAGAAAABQAAAB6CwAA+iQAABkSAACqJgAAECAAACYAAAAIAAAA//////////8="/>
               </a:ext>
             </a:extLst>
           </p:cNvSpPr>
@@ -9201,7 +9201,7 @@
           <p:cNvSpPr txBox="1">
             <a:extLst>
               <a:ext uri="smNativeData">
-                <pr:smNativeData xmlns:pr="smNativeData" val="SMDATA_13_BbpsXRMAAAAlAAAAEgAAAE8BAAAAkAAAAEgAAACQAAAASAAAAAAAAAAAAAAAAAAAAAEAAABQAAAAAAAAAAAA4D8AAAAAAADgPwAAAAAAAOA/AAAAAAAA4D8AAAAAAADgPwAAAAAAAOA/AAAAAAAA4D8AAAAAAADgPwAAAAAAAOA/AAAAAAAA4D8CAAAAjAAAAAAAAAAAAAAAu+DjDP///wgAAAAAAAAAAAAAAAAAAAAAAAAAAAAAAAAAAAAAZAAAAAEAAABAAAAAAAAAAAAAAAAAAAAAAAAAAAAAAAAAAAAAAAAAAAAAAAAAAAAAAAAAAAAAAAAAAAAAAAAAAAAAAAAAAAAAAAAAAAAAAAAAAAAAAAAAAAAAAAAAAAAAFAAAADwAAAAAAAAAAAAAAAAAAAkUAAAAAQAAABQAAAAUAAAAFAAAAAEAAAAAAAAAZAAAAGQAAAAAAAAAZAAAAGQAAAAVAAAAYAAAAAAAAAAAAAAADwAAACADAAAAAAAAAAAAAAEAAACgMgAAVgcAAKr4//8BAAAAf39/AAEAAABkAAAAAAAAABQAAABAHwAAAAAAACYAAAAAAAAAwOD//wAAAAAmAAAAZAAAABYAAABMAAAAAAAAAAAAAAAEAAAAAAAAAAEAAACAgIAKAAAAACgAAAAoAAAAZAAAAGQAAAAAAAAAzMzMAAAAAABQAAAAUAAAAGQAAABkAAAAAAAAABcAAAAUAAAAAAAAANwIAAD/fwAA/38AAAAAAAAJAAAABAAAAGxyIHYMAAAAEAAAAAAAAAAAAAAAAAAAAAAAAAAeAAAAaAAAAAAAAAAAAAAAAAAAAAAAAAAAAAAAECcAABAnAAAAAAAAAAAAAAAAAAAAAAAAAAAAAAAAAAAAAAAAAAAAABQAAAAAAAAAwMD/AAAAAABkAAAAMgAAAAAAAABkAAAAAAAAAH9/fwAKAAAAHwAAAFQAAAC74OMF////AQAAAAAAAAAAAAAAAAAAAAAAAAAAAAAAAAAAAAAAAAAAAAAAAn9/fwCAgIADzMzMAMDA/wB/f38AAAAAAAAAAAAAAAAAAAAAAAAAAAAhAAAAGAAAABQAAAC4GAAAjhUAAFcfAAA+FwAAECAAACYAAAAIAAAA//////////8="/>
+                <pr:smNativeData xmlns:pr="smNativeData" val="SMDATA_13_IrKAXRMAAAAlAAAAEgAAAE8BAAAAkAAAAEgAAACQAAAASAAAAAAAAAAAAAAAAAAAAAEAAABQAAAAAAAAAAAA4D8AAAAAAADgPwAAAAAAAOA/AAAAAAAA4D8AAAAAAADgPwAAAAAAAOA/AAAAAAAA4D8AAAAAAADgPwAAAAAAAOA/AAAAAAAA4D8CAAAAjAAAAAAAAAAAAAAAu+DjDP///wgAAAAAAAAAAAAAAAAAAAAAAAAAAAAAAAAAAAAAZAAAAAEAAABAAAAAAAAAAAAAAAAAAAAAAAAAAAAAAAAAAAAAAAAAAAAAAAAAAAAAAAAAAAAAAAAAAAAAAAAAAAAAAAAAAAAAAAAAAAAAAAAAAAAAAAAAAAAAAAAAAAAAFAAAADwAAAAAAAAAAAAAAAAAAAkUAAAAAQAAABQAAAAUAAAAFAAAAAEAAAAAAAAAZAAAAGQAAAAAAAAAZAAAAGQAAAAVAAAAYAAAAAAAAAAAAAAADwAAACADAAAAAAAAAAAAAAEAAACgMgAAVgcAAKr4//8BAAAAf39/AAEAAABkAAAAAAAAABQAAABAHwAAAAAAACYAAAAAAAAAwOD//wAAAAAmAAAAZAAAABYAAABMAAAAAAAAAAAAAAAEAAAAAAAAAAEAAACAgIAKAAAAACgAAAAoAAAAZAAAAGQAAAAAAAAAzMzMAAAAAABQAAAAUAAAAGQAAABkAAAAAAAAABcAAAAUAAAAAAAAANwIAAD/fwAA/38AAAAAAAAJAAAABAAAAGxyIHYMAAAAEAAAAAAAAAAAAAAAAAAAAAAAAAAeAAAAaAAAAAAAAAAAAAAAAAAAAAAAAAAAAAAAECcAABAnAAAAAAAAAAAAAAAAAAAAAAAAAAAAAAAAAAAAAAAAAAAAABQAAAAAAAAAwMD/AAAAAABkAAAAMgAAAAAAAABkAAAAAAAAAH9/fwAKAAAAHwAAAFQAAAC74OMF////AQAAAAAAAAAAAAAAAAAAAAAAAAAAAAAAAAAAAAAAAAAAAAAAAn9/fwCAgIADzMzMAMDA/wB/f38AAAAAAAAAAAAAAAAAAAAAAAAAAAAhAAAAGAAAABQAAAC4GAAAjhUAAFcfAAA+FwAAECAAACYAAAAIAAAA//////////8="/>
               </a:ext>
             </a:extLst>
           </p:cNvSpPr>
@@ -9247,7 +9247,7 @@
           <p:cNvSpPr txBox="1">
             <a:extLst>
               <a:ext uri="smNativeData">
-                <pr:smNativeData xmlns:pr="smNativeData" val="SMDATA_13_BbpsXRMAAAAlAAAAEgAAAE8BAAAAkAAAAEgAAACQAAAASAAAAAAAAAAAAAAAAAAAAAEAAABQAAAAAAAAAAAA4D8AAAAAAADgPwAAAAAAAOA/AAAAAAAA4D8AAAAAAADgPwAAAAAAAOA/AAAAAAAA4D8AAAAAAADgPwAAAAAAAOA/AAAAAAAA4D8CAAAAjAAAAAAAAAAAAAAAu+DjDP///wgAAAAAAAAAAAAAAAAAAAAAAAAAAAAAAAAAAAAAZAAAAAEAAABAAAAAAAAAAAAAAAAAAAAAAAAAAAAAAAAAAAAAAAAAAAAAAAAAAAAAAAAAAAAAAAAAAAAAAAAAAAAAAAAAAAAAAAAAAAAAAAAAAAAAAAAAAAAAAAAAAAAAFAAAADwAAAAAAAAAAAAAAAAAAAkUAAAAAQAAABQAAAAUAAAAFAAAAAEAAAAAAAAAZAAAAGQAAAAAAAAAZAAAAGQAAAAVAAAAYAAAAAAAAAAAAAAADwAAACADAAAAAAAAAAAAAAEAAACgMgAAVgcAAKr4//8BAAAAf39/AAEAAABkAAAAAAAAABQAAABAHwAAAAAAACYAAAAAAAAAwOD//wAAAAAmAAAAZAAAABYAAABMAAAAAAAAAAAAAAAEAAAAAAAAAAEAAACAgIAKAAAAACgAAAAoAAAAZAAAAGQAAAAAAAAAzMzMAAAAAABQAAAAUAAAAGQAAABkAAAAAAAAABcAAAAUAAAAAAAAANwIAAD/fwAA/38AAAAAAAAJAAAABAAAAGxyIHYMAAAAEAAAAAAAAAAAAAAAAAAAAAAAAAAeAAAAaAAAAAAAAAAAAAAAAAAAAAAAAAAAAAAAECcAABAnAAAAAAAAAAAAAAAAAAAAAAAAAAAAAAAAAAAAAAAAAAAAABQAAAAAAAAAwMD/AAAAAABkAAAAMgAAAAAAAABkAAAAAAAAAH9/fwAKAAAAHwAAAFQAAAC74OMF////AQAAAAAAAAAAAAAAAAAAAAAAAAAAAAAAAAAAAAAAAAAAAAAAAn9/fwCAgIADzMzMAMDA/wB/f38AAAAAAAAAAAAAAAAAAAAAAAAAAAAhAAAAGAAAABQAAAC4GAAAeR0AAFcfAAApHwAAECAAACYAAAAIAAAA//////////8="/>
+                <pr:smNativeData xmlns:pr="smNativeData" val="SMDATA_13_IrKAXRMAAAAlAAAAEgAAAE8BAAAAkAAAAEgAAACQAAAASAAAAAAAAAAAAAAAAAAAAAEAAABQAAAAAAAAAAAA4D8AAAAAAADgPwAAAAAAAOA/AAAAAAAA4D8AAAAAAADgPwAAAAAAAOA/AAAAAAAA4D8AAAAAAADgPwAAAAAAAOA/AAAAAAAA4D8CAAAAjAAAAAAAAAAAAAAAu+DjDP///wgAAAAAAAAAAAAAAAAAAAAAAAAAAAAAAAAAAAAAZAAAAAEAAABAAAAAAAAAAAAAAAAAAAAAAAAAAAAAAAAAAAAAAAAAAAAAAAAAAAAAAAAAAAAAAAAAAAAAAAAAAAAAAAAAAAAAAAAAAAAAAAAAAAAAAAAAAAAAAAAAAAAAFAAAADwAAAAAAAAAAAAAAAAAAAkUAAAAAQAAABQAAAAUAAAAFAAAAAEAAAAAAAAAZAAAAGQAAAAAAAAAZAAAAGQAAAAVAAAAYAAAAAAAAAAAAAAADwAAACADAAAAAAAAAAAAAAEAAACgMgAAVgcAAKr4//8BAAAAf39/AAEAAABkAAAAAAAAABQAAABAHwAAAAAAACYAAAAAAAAAwOD//wAAAAAmAAAAZAAAABYAAABMAAAAAAAAAAAAAAAEAAAAAAAAAAEAAACAgIAKAAAAACgAAAAoAAAAZAAAAGQAAAAAAAAAzMzMAAAAAABQAAAAUAAAAGQAAABkAAAAAAAAABcAAAAUAAAAAAAAANwIAAD/fwAA/38AAAAAAAAJAAAABAAAAGxyIHYMAAAAEAAAAAAAAAAAAAAAAAAAAAAAAAAeAAAAaAAAAAAAAAAAAAAAAAAAAAAAAAAAAAAAECcAABAnAAAAAAAAAAAAAAAAAAAAAAAAAAAAAAAAAAAAAAAAAAAAABQAAAAAAAAAwMD/AAAAAABkAAAAMgAAAAAAAABkAAAAAAAAAH9/fwAKAAAAHwAAAFQAAAC74OMF////AQAAAAAAAAAAAAAAAAAAAAAAAAAAAAAAAAAAAAAAAAAAAAAAAn9/fwCAgIADzMzMAMDA/wB/f38AAAAAAAAAAAAAAAAAAAAAAAAAAAAhAAAAGAAAABQAAAC4GAAAeR0AAFcfAAApHwAAECAAACYAAAAIAAAA//////////8="/>
               </a:ext>
             </a:extLst>
           </p:cNvSpPr>
@@ -9293,7 +9293,7 @@
           <p:cNvSpPr txBox="1">
             <a:extLst>
               <a:ext uri="smNativeData">
-                <pr:smNativeData xmlns:pr="smNativeData" val="SMDATA_13_BbpsXRMAAAAlAAAAEgAAAE8BAAAAkAAAAEgAAACQAAAASAAAAAAAAAAAAAAAAAAAAAEAAABQAAAAAAAAAAAA4D8AAAAAAADgPwAAAAAAAOA/AAAAAAAA4D8AAAAAAADgPwAAAAAAAOA/AAAAAAAA4D8AAAAAAADgPwAAAAAAAOA/AAAAAAAA4D8CAAAAjAAAAAAAAAAAAAAAu+DjDP///wgAAAAAAAAAAAAAAAAAAAAAAAAAAAAAAAAAAAAAZAAAAAEAAABAAAAAAAAAAAAAAAAAAAAAAAAAAAAAAAAAAAAAAAAAAAAAAAAAAAAAAAAAAAAAAAAAAAAAAAAAAAAAAAAAAAAAAAAAAAAAAAAAAAAAAAAAAAAAAAAAAAAAFAAAADwAAAAAAAAAAAAAAAAAAAkUAAAAAQAAABQAAAAUAAAAFAAAAAEAAAAAAAAAZAAAAGQAAAAAAAAAZAAAAGQAAAAVAAAAYAAAAAAAAAAAAAAADwAAACADAAAAAAAAAAAAAAEAAACgMgAAVgcAAKr4//8BAAAAf39/AAEAAABkAAAAAAAAABQAAABAHwAAAAAAACYAAAAAAAAAwOD//wAAAAAmAAAAZAAAABYAAABMAAAAAAAAAAAAAAAEAAAAAAAAAAEAAACAgIAKAAAAACgAAAAoAAAAZAAAAGQAAAAAAAAAzMzMAAAAAABQAAAAUAAAAGQAAABkAAAAAAAAABcAAAAUAAAAAAAAANwIAAD/fwAA/38AAAAAAAAJAAAABAAAAEEASQAMAAAAEAAAAAAAAAAAAAAAAAAAAAAAAAAeAAAAaAAAAAAAAAAAAAAAAAAAAAAAAAAAAAAAECcAABAnAAAAAAAAAAAAAAAAAAAAAAAAAAAAAAAAAAAAAAAAAAAAABQAAAAAAAAAwMD/AAAAAABkAAAAMgAAAAAAAABkAAAAAAAAAH9/fwAKAAAAHwAAAFQAAAC74OMF////AQAAAAAAAAAAAAAAAAAAAAAAAAAAAAAAAAAAAAAAAAAAAAAAAn9/fwCAgIADzMzMAMDA/wB/f38AAAAAAAAAAAAAAAAAAAAAAAAAAAAhAAAAGAAAABQAAAD7EgAAyg8AAJoZAADaEQAAECAAACYAAAAIAAAA//////////8="/>
+                <pr:smNativeData xmlns:pr="smNativeData" val="SMDATA_13_IrKAXRMAAAAlAAAAEgAAAE8BAAAAkAAAAEgAAACQAAAASAAAAAAAAAAAAAAAAAAAAAEAAABQAAAAAAAAAAAA4D8AAAAAAADgPwAAAAAAAOA/AAAAAAAA4D8AAAAAAADgPwAAAAAAAOA/AAAAAAAA4D8AAAAAAADgPwAAAAAAAOA/AAAAAAAA4D8CAAAAjAAAAAAAAAAAAAAAu+DjDP///wgAAAAAAAAAAAAAAAAAAAAAAAAAAAAAAAAAAAAAZAAAAAEAAABAAAAAAAAAAAAAAAAAAAAAAAAAAAAAAAAAAAAAAAAAAAAAAAAAAAAAAAAAAAAAAAAAAAAAAAAAAAAAAAAAAAAAAAAAAAAAAAAAAAAAAAAAAAAAAAAAAAAAFAAAADwAAAAAAAAAAAAAAAAAAAkUAAAAAQAAABQAAAAUAAAAFAAAAAEAAAAAAAAAZAAAAGQAAAAAAAAAZAAAAGQAAAAVAAAAYAAAAAAAAAAAAAAADwAAACADAAAAAAAAAAAAAAEAAACgMgAAVgcAAKr4//8BAAAAf39/AAEAAABkAAAAAAAAABQAAABAHwAAAAAAACYAAAAAAAAAwOD//wAAAAAmAAAAZAAAABYAAABMAAAAAAAAAAAAAAAEAAAAAAAAAAEAAACAgIAKAAAAACgAAAAoAAAAZAAAAGQAAAAAAAAAzMzMAAAAAABQAAAAUAAAAGQAAABkAAAAAAAAABcAAAAUAAAAAAAAANwIAAD/fwAA/38AAAAAAAAJAAAABAAAAEEASQAMAAAAEAAAAAAAAAAAAAAAAAAAAAAAAAAeAAAAaAAAAAAAAAAAAAAAAAAAAAAAAAAAAAAAECcAABAnAAAAAAAAAAAAAAAAAAAAAAAAAAAAAAAAAAAAAAAAAAAAABQAAAAAAAAAwMD/AAAAAABkAAAAMgAAAAAAAABkAAAAAAAAAH9/fwAKAAAAHwAAAFQAAAC74OMF////AQAAAAAAAAAAAAAAAAAAAAAAAAAAAAAAAAAAAAAAAAAAAAAAAn9/fwCAgIADzMzMAMDA/wB/f38AAAAAAAAAAAAAAAAAAAAAAAAAAAAhAAAAGAAAABQAAAD7EgAAyg8AAJoZAADaEQAAECAAACYAAAAIAAAA//////////8="/>
               </a:ext>
             </a:extLst>
           </p:cNvSpPr>
@@ -9339,7 +9339,7 @@
           <p:cNvSpPr txBox="1">
             <a:extLst>
               <a:ext uri="smNativeData">
-                <pr:smNativeData xmlns:pr="smNativeData" val="SMDATA_13_BbpsXRMAAAAlAAAAEgAAAE8BAAAAkAAAAEgAAACQAAAASAAAAAAAAAAAAAAAAAAAAAEAAABQAAAAAAAAAAAA4D8AAAAAAADgPwAAAAAAAOA/AAAAAAAA4D8AAAAAAADgPwAAAAAAAOA/AAAAAAAA4D8AAAAAAADgPwAAAAAAAOA/AAAAAAAA4D8CAAAAjAAAAAAAAAAAAAAAu+DjDP///wgAAAAAAAAAAAAAAAAAAAAAAAAAAAAAAAAAAAAAZAAAAAEAAABAAAAAAAAAAAAAAAAAAAAAAAAAAAAAAAAAAAAAAAAAAAAAAAAAAAAAAAAAAAAAAAAAAAAAAAAAAAAAAAAAAAAAAAAAAAAAAAAAAAAAAAAAAAAAAAAAAAAAFAAAADwAAAAAAAAAAAAAAAAAAAkUAAAAAQAAABQAAAAUAAAAFAAAAAEAAAAAAAAAZAAAAGQAAAAAAAAAZAAAAGQAAAAVAAAAYAAAAAAAAAAAAAAADwAAACADAAAAAAAAAAAAAAEAAACgMgAAVgcAAKr4//8BAAAAf39/AAEAAABkAAAAAAAAABQAAABAHwAAAAAAACYAAAAAAAAAwOD//wAAAAAmAAAAZAAAABYAAABMAAAAAAAAAAAAAAAEAAAAAAAAAAEAAACAgIAKAAAAACgAAAAoAAAAZAAAAGQAAAAAAAAAzMzMAAAAAABQAAAAUAAAAGQAAABkAAAAAAAAABcAAAAUAAAAAAAAANwIAAD/fwAA/38AAAAAAAAJAAAABAAAAAIA/f8MAAAAEAAAAAAAAAAAAAAAAAAAAAAAAAAeAAAAaAAAAAAAAAAAAAAAAAAAAAAAAAAAAAAAECcAABAnAAAAAAAAAAAAAAAAAAAAAAAAAAAAAAAAAAAAAAAAAAAAABQAAAAAAAAAwMD/AAAAAABkAAAAMgAAAAAAAABkAAAAAAAAAH9/fwAKAAAAHwAAAFQAAAC74OMF////AQAAAAAAAAAAAAAAAAAAAAAAAAAAAAAAAAAAAAAAAAAAAAAAAn9/fwCAgIADzMzMAMDA/wB/f38AAAAAAAAAAAAAAAAAAAAAAAAAAAAhAAAAGAAAABQAAADqGAAA0RAAAIkfAADhEgAAECAAACYAAAAIAAAA//////////8="/>
+                <pr:smNativeData xmlns:pr="smNativeData" val="SMDATA_13_IrKAXRMAAAAlAAAAEgAAAE8BAAAAkAAAAEgAAACQAAAASAAAAAAAAAAAAAAAAAAAAAEAAABQAAAAAAAAAAAA4D8AAAAAAADgPwAAAAAAAOA/AAAAAAAA4D8AAAAAAADgPwAAAAAAAOA/AAAAAAAA4D8AAAAAAADgPwAAAAAAAOA/AAAAAAAA4D8CAAAAjAAAAAAAAAAAAAAAu+DjDP///wgAAAAAAAAAAAAAAAAAAAAAAAAAAAAAAAAAAAAAZAAAAAEAAABAAAAAAAAAAAAAAAAAAAAAAAAAAAAAAAAAAAAAAAAAAAAAAAAAAAAAAAAAAAAAAAAAAAAAAAAAAAAAAAAAAAAAAAAAAAAAAAAAAAAAAAAAAAAAAAAAAAAAFAAAADwAAAAAAAAAAAAAAAAAAAkUAAAAAQAAABQAAAAUAAAAFAAAAAEAAAAAAAAAZAAAAGQAAAAAAAAAZAAAAGQAAAAVAAAAYAAAAAAAAAAAAAAADwAAACADAAAAAAAAAAAAAAEAAACgMgAAVgcAAKr4//8BAAAAf39/AAEAAABkAAAAAAAAABQAAABAHwAAAAAAACYAAAAAAAAAwOD//wAAAAAmAAAAZAAAABYAAABMAAAAAAAAAAAAAAAEAAAAAAAAAAEAAACAgIAKAAAAACgAAAAoAAAAZAAAAGQAAAAAAAAAzMzMAAAAAABQAAAAUAAAAGQAAABkAAAAAAAAABcAAAAUAAAAAAAAANwIAAD/fwAA/38AAAAAAAAJAAAABAAAAAIA/f8MAAAAEAAAAAAAAAAAAAAAAAAAAAAAAAAeAAAAaAAAAAAAAAAAAAAAAAAAAAAAAAAAAAAAECcAABAnAAAAAAAAAAAAAAAAAAAAAAAAAAAAAAAAAAAAAAAAAAAAABQAAAAAAAAAwMD/AAAAAABkAAAAMgAAAAAAAABkAAAAAAAAAH9/fwAKAAAAHwAAAFQAAAC74OMF////AQAAAAAAAAAAAAAAAAAAAAAAAAAAAAAAAAAAAAAAAAAAAAAAAn9/fwCAgIADzMzMAMDA/wB/f38AAAAAAAAAAAAAAAAAAAAAAAAAAAAhAAAAGAAAABQAAADqGAAA0RAAAIkfAADhEgAAECAAACYAAAAIAAAA//////////8="/>
               </a:ext>
             </a:extLst>
           </p:cNvSpPr>
@@ -9385,7 +9385,7 @@
           <p:cNvSpPr>
             <a:extLst>
               <a:ext uri="smNativeData">
-                <pr:smNativeData xmlns:pr="smNativeData" val="SMDATA_13_BbpsXRMAAAAlAAAAZAAAAA8BAAAAkAAAAEgAAACQAAAASAAAAAAAAAAAAAAAAAAAAAEAAABQAAAAAAAAAAAA4D8AAAAAAADgPwAAAAAAAOA/AAAAAAAA4D8AAAAAAADgPwAAAAAAAOA/AAAAAAAA4D8AAAAAAADgPwAAAAAAAOA/AAAAAAAA4D8CAAAAjAAAAAEAAAAAAAAAHh4eAP///wgAAAAAAAAAAAAAAAAAAAAAAAAAAAAAAAAAAAAAZAAAAAEAAABAAAAAAAAAAAAAAAAAAAAAAAAAAAAAAAAAAAAAAAAAAAAAAAAAAAAAAAAAAAAAAAAAAAAAAAAAAAAAAAAAAAAAAAAAAAAAAAAAAAAAAAAAAAAAAAAAAAAAFAAAADwAAAAAAAAAAAAAAAAAAAkAAAAAAQAAAAAAAAAAAAAAAAAAAAAAAAAAAAAAZAAAAGQAAAAAAAAAZAAAAGQAAAAVAAAAYAAAAAAAAAAAAAAADwAAACADAAAAAAAAAAAAAAEAAACgMgAAAAAAAAAAAAABAAAAf39/AAEAAABkAAAAAAAAABQAAABAHwAAAAAAACYAAAAAAAAAwOD//wAAAAAmAAAAZAAAABYAAABMAAAAAAAAAAAAAAAEAAAAAAAAAAEAAACAgIAKAAAAACgAAAAoAAAAZAAAAGQAAAAAAAAAzMzMAAAAAABQAAAAUAAAAGQAAABkAAAAAAAAABcAAAAUAAAAAAAAAAAAAAD/fwAA/38AAAAAAAAJAAAABAAAAON4AAAMAAAAEAAAAAAAAAAAAAAAAAAAAAAAAAAeAAAAaAAAAAAAAAAAAAAAAAAAAAAAAAAAAAAAECcAABAnAAAAAAAAAAAAAAAAAAAAAAAAAAAAAAAAAAAAAAAAAAAAABQAAAAAAAAAwMD/AAAAAABkAAAAMgAAAAAAAABkAAAAAAAAAH9/fwAKAAAAHwAAAFQAAAAeHh4A////AQAAAAAAAAAAAAAAAAAAAAAAAAAAAAAAAAAAAAAAAAAAAAAAAn9/fwCAgIADzMzMAMDA/wB/f38AAAAAAAAAAAAAAAAAAAAAAAAAAAAhAAAAGAAAABQAAAAAAAAAZQcAAEA4AAC4CAAAEAAAACYAAAAIAAAA//////////8="/>
+                <pr:smNativeData xmlns:pr="smNativeData" val="SMDATA_13_IrKAXRMAAAAlAAAAZAAAAA8BAAAAkAAAAEgAAACQAAAASAAAAAAAAAAAAAAAAAAAAAEAAABQAAAAAAAAAAAA4D8AAAAAAADgPwAAAAAAAOA/AAAAAAAA4D8AAAAAAADgPwAAAAAAAOA/AAAAAAAA4D8AAAAAAADgPwAAAAAAAOA/AAAAAAAA4D8CAAAAjAAAAAEAAAAAAAAAHh4eAP///wgAAAAAAAAAAAAAAAAAAAAAAAAAAAAAAAAAAAAAZAAAAAEAAABAAAAAAAAAAAAAAAAAAAAAAAAAAAAAAAAAAAAAAAAAAAAAAAAAAAAAAAAAAAAAAAAAAAAAAAAAAAAAAAAAAAAAAAAAAAAAAAAAAAAAAAAAAAAAAAAAAAAAFAAAADwAAAAAAAAAAAAAAAAAAAkAAAAAAQAAAAAAAAAAAAAAAAAAAAAAAAAAAAAAZAAAAGQAAAAAAAAAZAAAAGQAAAAVAAAAYAAAAAAAAAAAAAAADwAAACADAAAAAAAAAAAAAAEAAACgMgAAAAAAAAAAAAABAAAAf39/AAEAAABkAAAAAAAAABQAAABAHwAAAAAAACYAAAAAAAAAwOD//wAAAAAmAAAAZAAAABYAAABMAAAAAAAAAAAAAAAEAAAAAAAAAAEAAACAgIAKAAAAACgAAAAoAAAAZAAAAGQAAAAAAAAAzMzMAAAAAABQAAAAUAAAAGQAAABkAAAAAAAAABcAAAAUAAAAAAAAAAAAAAD/fwAA/38AAAAAAAAJAAAABAAAAON4AAAMAAAAEAAAAAAAAAAAAAAAAAAAAAAAAAAeAAAAaAAAAAAAAAAAAAAAAAAAAAAAAAAAAAAAECcAABAnAAAAAAAAAAAAAAAAAAAAAAAAAAAAAAAAAAAAAAAAAAAAABQAAAAAAAAAwMD/AAAAAABkAAAAMgAAAAAAAABkAAAAAAAAAH9/fwAKAAAAHwAAAFQAAAAeHh4A////AQAAAAAAAAAAAAAAAAAAAAAAAAAAAAAAAAAAAAAAAAAAAAAAAn9/fwCAgIADzMzMAMDA/wB/f38AAAAAAAAAAAAAAAAAAAAAAAAAAAAhAAAAGAAAABQAAAAAAAAAZQcAAEA4AAC4CAAAEAAAACYAAAAIAAAA//////////8="/>
               </a:ext>
             </a:extLst>
           </p:cNvSpPr>
@@ -9454,7 +9454,7 @@
           <p:cNvSpPr>
             <a:extLst>
               <a:ext uri="smNativeData">
-                <pr:smNativeData xmlns:pr="smNativeData" val="SMDATA_13_BbpsXRMAAAAlAAAACgAAAA8BAAAAkAAAAEgAAACQAAAASAAAAAAAAAAAAAAAAAAAAAEAAABQAAAAAAAAAAAA4D8AAAAAAADgPwAAAAAAAOA/AAAAAAAA4D8AAAAAAADgPwAAAAAAAOA/AAAAAAAA4D8AAAAAAADgPwAAAAAAAOA/AAAAAAAA4D8CAAAAjAAAAAAAAAAAAAAAu+DjDP///wgAAAAAAAAAAAAAAAAAAAAAAAAAAAAAAAAAAAAAZAAAAAEAAABAAAAAAAAAAAAAAAAAAAAAAAAAAAAAAAAAAAAAAAAAAAAAAAAAAAAAAAAAAAAAAAAAAAAAAAAAAAAAAAAAAAAAAAAAAAAAAAAAAAAAAAAAAAAAAAAAAAAAFAAAADwAAAABAAAAAAAAAFVVVQBQAAAAAQAAAAQAAAAAAAAAAAAAAAAAAAAAAAAAZAAAAGQAAAACAAAAZAAAAGQAAAAVAAAAYAAAAAAAAAAAAAAADwAAACADAAAAAAAAAAAAAAEAAACgMgAAAAAAAAAAAAABAAAAf39/AAEAAABkAAAAAAAAABQAAABAHwAAAAAAACYAAAAAAAAAwOD//wAAAAAmAAAAZAAAABYAAABMAAAAAAAAAAAAAAAEAAAAAAAAAAEAAACAgIAKAAAAACgAAAAoAAAAZAAAAGQAAAAAAAAAzMzMAAAAAABQAAAAUAAAAGQAAABkAAAAAAAAABcAAAAUAAAAAAAAAAAAAAD/fwAA/38AAAAAAAAJAAAABAAAAAAAAAAMAAAAEAAAAAAAAAAAAAAAAAAAAAAAAAAeAAAAaAAAAAAAAAAAAAAAAAAAAAAAAAAAAAAAECcAABAnAAAAAAAAAAAAAAAAAAAAAAAAAAAAAAAAAAAAAAAAAAAAABQAAAAAAAAAwMD/AAAAAABkAAAAMgAAAAAAAABkAAAAAAAAAH9/fwAKAAAAHwAAAFQAAAC74OMF////AQAAAAAAAAAAAAAAAAAAAAAAAAAAAAAAAAAAAAAAAAAAVVVVAH9/fwCAgIADzMzMAMDA/wB/f38AAAAAAAAAAAAAAAAAAAAAAAAAAAAhAAAAGAAAABQAAAA3HAAA0g4AADkcAAB6EAAAEAAAACYAAAAIAAAA//////////8="/>
+                <pr:smNativeData xmlns:pr="smNativeData" val="SMDATA_13_IrKAXRMAAAAlAAAACgAAAA8BAAAAkAAAAEgAAACQAAAASAAAAAAAAAAAAAAAAAAAAAEAAABQAAAAAAAAAAAA4D8AAAAAAADgPwAAAAAAAOA/AAAAAAAA4D8AAAAAAADgPwAAAAAAAOA/AAAAAAAA4D8AAAAAAADgPwAAAAAAAOA/AAAAAAAA4D8CAAAAjAAAAAAAAAAAAAAAu+DjDP///wgAAAAAAAAAAAAAAAAAAAAAAAAAAAAAAAAAAAAAZAAAAAEAAABAAAAAAAAAAAAAAAAAAAAAAAAAAAAAAAAAAAAAAAAAAAAAAAAAAAAAAAAAAAAAAAAAAAAAAAAAAAAAAAAAAAAAAAAAAAAAAAAAAAAAAAAAAAAAAAAAAAAAFAAAADwAAAABAAAAAAAAAFVVVQBQAAAAAQAAAAQAAAAAAAAAAAAAAAAAAAAAAAAAZAAAAGQAAAACAAAAZAAAAGQAAAAVAAAAYAAAAAAAAAAAAAAADwAAACADAAAAAAAAAAAAAAEAAACgMgAAAAAAAAAAAAABAAAAf39/AAEAAABkAAAAAAAAABQAAABAHwAAAAAAACYAAAAAAAAAwOD//wAAAAAmAAAAZAAAABYAAABMAAAAAAAAAAAAAAAEAAAAAAAAAAEAAACAgIAKAAAAACgAAAAoAAAAZAAAAGQAAAAAAAAAzMzMAAAAAABQAAAAUAAAAGQAAABkAAAAAAAAABcAAAAUAAAAAAAAAAAAAAD/fwAA/38AAAAAAAAJAAAABAAAAAAAAAAMAAAAEAAAAAAAAAAAAAAAAAAAAAAAAAAeAAAAaAAAAAAAAAAAAAAAAAAAAAAAAAAAAAAAECcAABAnAAAAAAAAAAAAAAAAAAAAAAAAAAAAAAAAAAAAAAAAAAAAABQAAAAAAAAAwMD/AAAAAABkAAAAMgAAAAAAAABkAAAAAAAAAH9/fwAKAAAAHwAAAFQAAAC74OMF////AQAAAAAAAAAAAAAAAAAAAAAAAAAAAAAAAAAAAAAAAAAAVVVVAH9/fwCAgIADzMzMAMDA/wB/f38AAAAAAAAAAAAAAAAAAAAAAAAAAAAhAAAAGAAAABQAAAA3HAAA0g4AADkcAAB6EAAAEAAAACYAAAAIAAAA//////////8="/>
               </a:ext>
             </a:extLst>
           </p:cNvSpPr>
@@ -9486,7 +9486,7 @@
           <p:cNvSpPr>
             <a:extLst>
               <a:ext uri="smNativeData">
-                <pr:smNativeData xmlns:pr="smNativeData" val="SMDATA_13_BbpsXRMAAAAlAAAACgAAAA8BAAAAkAAAAEgAAACQAAAASAAAAAAAAAAAAAAAAAAAAAEAAABQAAAAAAAAAAAA4D8AAAAAAADgPwAAAAAAAOA/AAAAAAAA4D8AAAAAAADgPwAAAAAAAOA/AAAAAAAA4D8AAAAAAADgPwAAAAAAAOA/AAAAAAAA4D8CAAAAjAAAAAAAAAAAAAAAu+DjDP///wgAAAAAAAAAAAAAAAAAAAAAAAAAAAAAAAAAAAAAZAAAAAEAAABAAAAAAAAAAAAAAAAAAAAAAAAAAAAAAAAAAAAAAAAAAAAAAAAAAAAAAAAAAAAAAAAAAAAAAAAAAAAAAAAAAAAAAAAAAAAAAAAAAAAAAAAAAAAAAAAAAAAAFAAAADwAAAABAAAAAAAAAFVVVQBQAAAAAQAAAAQAAAAAAAAAAAAAAAAAAAAAAAAAZAAAAGQAAAACAAAAZAAAAGQAAAAVAAAAYAAAAAAAAAAAAAAADwAAACADAAAAAAAAAAAAAAEAAACgMgAAAAAAAAAAAAABAAAAf39/AAEAAABkAAAAAAAAABQAAABAHwAAAAAAACYAAAAAAAAAwOD//wAAAAAmAAAAZAAAABYAAABMAAAAAAAAAAAAAAAEAAAAAAAAAAEAAACAgIAKAAAAACgAAAAoAAAAZAAAAGQAAAAAAAAAzMzMAAAAAABQAAAAUAAAAGQAAABkAAAAAAAAABcAAAAUAAAAAAAAAAAAAAD/fwAA/38AAAAAAAAJAAAABAAAAAAAAAAMAAAAEAAAAAAAAAAAAAAAAAAAAAAAAAAeAAAAaAAAAAAAAAAAAAAAAAAAAAAAAAAAAAAAECcAABAnAAAAAAAAAAAAAAAAAAAAAAAAAAAAAAAAAAAAAAAAAAAAABQAAAAAAAAAwMD/AAAAAABkAAAAMgAAAAAAAABkAAAAAAAAAH9/fwAKAAAAHwAAAFQAAAC74OMF////AQAAAAAAAAAAAAAAAAAAAAAAAAAAAAAAAAAAAAAAAAAAVVVVAH9/fwCAgIADzMzMAMDA/wB/f38AAAAAAAAAAAAAAAAAAAAAAAAAAAAhAAAAGAAAABQAAAD0FgAA9w4AAMAaAAA7EAAAEAAAACYAAAAIAAAA//////////8="/>
+                <pr:smNativeData xmlns:pr="smNativeData" val="SMDATA_13_IrKAXRMAAAAlAAAACgAAAA8BAAAAkAAAAEgAAACQAAAASAAAAAAAAAAAAAAAAAAAAAEAAABQAAAAAAAAAAAA4D8AAAAAAADgPwAAAAAAAOA/AAAAAAAA4D8AAAAAAADgPwAAAAAAAOA/AAAAAAAA4D8AAAAAAADgPwAAAAAAAOA/AAAAAAAA4D8CAAAAjAAAAAAAAAAAAAAAu+DjDP///wgAAAAAAAAAAAAAAAAAAAAAAAAAAAAAAAAAAAAAZAAAAAEAAABAAAAAAAAAAAAAAAAAAAAAAAAAAAAAAAAAAAAAAAAAAAAAAAAAAAAAAAAAAAAAAAAAAAAAAAAAAAAAAAAAAAAAAAAAAAAAAAAAAAAAAAAAAAAAAAAAAAAAFAAAADwAAAABAAAAAAAAAFVVVQBQAAAAAQAAAAQAAAAAAAAAAAAAAAAAAAAAAAAAZAAAAGQAAAACAAAAZAAAAGQAAAAVAAAAYAAAAAAAAAAAAAAADwAAACADAAAAAAAAAAAAAAEAAACgMgAAAAAAAAAAAAABAAAAf39/AAEAAABkAAAAAAAAABQAAABAHwAAAAAAACYAAAAAAAAAwOD//wAAAAAmAAAAZAAAABYAAABMAAAAAAAAAAAAAAAEAAAAAAAAAAEAAACAgIAKAAAAACgAAAAoAAAAZAAAAGQAAAAAAAAAzMzMAAAAAABQAAAAUAAAAGQAAABkAAAAAAAAABcAAAAUAAAAAAAAAAAAAAD/fwAA/38AAAAAAAAJAAAABAAAAAAAAAAMAAAAEAAAAAAAAAAAAAAAAAAAAAAAAAAeAAAAaAAAAAAAAAAAAAAAAAAAAAAAAAAAAAAAECcAABAnAAAAAAAAAAAAAAAAAAAAAAAAAAAAAAAAAAAAAAAAAAAAABQAAAAAAAAAwMD/AAAAAABkAAAAMgAAAAAAAABkAAAAAAAAAH9/fwAKAAAAHwAAAFQAAAC74OMF////AQAAAAAAAAAAAAAAAAAAAAAAAAAAAAAAAAAAAAAAAAAAVVVVAH9/fwCAgIADzMzMAMDA/wB/f38AAAAAAAAAAAAAAAAAAAAAAAAAAAAhAAAAGAAAABQAAAD0FgAA9w4AAMAaAAA7EAAAEAAAACYAAAAIAAAA//////////8="/>
               </a:ext>
             </a:extLst>
           </p:cNvSpPr>
@@ -9518,7 +9518,7 @@
           <p:cNvSpPr>
             <a:extLst>
               <a:ext uri="smNativeData">
-                <pr:smNativeData xmlns:pr="smNativeData" val="SMDATA_13_BbpsXRMAAAAlAAAACgAAAA8BAAAAkAAAAEgAAACQAAAASAAAAAAAAAAAAAAAAAAAAAEAAABQAAAAAAAAAAAA4D8AAAAAAADgPwAAAAAAAOA/AAAAAAAA4D8AAAAAAADgPwAAAAAAAOA/AAAAAAAA4D8AAAAAAADgPwAAAAAAAOA/AAAAAAAA4D8CAAAAjAAAAAAAAAAAAAAAu+DjDP///wgAAAAAAAAAAAAAAAAAAAAAAAAAAAAAAAAAAAAAZAAAAAEAAABAAAAAAAAAAAAAAAAAAAAAAAAAAAAAAAAAAAAAAAAAAAAAAAAAAAAAAAAAAAAAAAAAAAAAAAAAAAAAAAAAAAAAAAAAAAAAAAAAAAAAAAAAAAAAAAAAAAAAFAAAADwAAAABAAAAAAAAAFVVVQBQAAAAAQAAAAQAAAAAAAAAAAAAAAAAAAAAAAAAZAAAAGQAAAACAAAAZAAAAGQAAAAVAAAAYAAAAAAAAAAAAAAADwAAACADAAAAAAAAAAAAAAEAAACgMgAAAAAAAAAAAAABAAAAf39/AAEAAABkAAAAAAAAABQAAABAHwAAAAAAACYAAAAAAAAAwOD//wAAAAAmAAAAZAAAABYAAABMAAAAAAAAAAAAAAAEAAAAAAAAAAEAAACAgIAKAAAAACgAAAAoAAAAZAAAAGQAAAAAAAAAzMzMAAAAAABQAAAAUAAAAGQAAABkAAAAAAAAABcAAAAUAAAAAAAAAAAAAAD/fwAA/38AAAAAAAAJAAAABAAAAAAAAAAMAAAAEAAAAAAAAAAAAAAAAAAAAAAAAAAeAAAAaAAAAAAAAAAAAAAAAAAAAAAAAAAAAAAAECcAABAnAAAAAAAAAAAAAAAAAAAAAAAAAAAAAAAAAAAAAAAAAAAAABQAAAAAAAAAwMD/AAAAAABkAAAAMgAAAAAAAABkAAAAAAAAAH9/fwAKAAAAHwAAAFQAAAC74OMF////AQAAAAAAAAAAAAAAAAAAAAAAAAAAAAAAAAAAAAAAAAAAVVVVAH9/fwCAgIADzMzMAMDA/wB/f38AAAAAAAAAAAAAAAAAAAAAAAAAAAAhAAAAGAAAABQAAAACDwAA/xEAADAVAAA0FAAAEAAAACYAAAAIAAAA//////////8="/>
+                <pr:smNativeData xmlns:pr="smNativeData" val="SMDATA_13_IrKAXRMAAAAlAAAACgAAAA8BAAAAkAAAAEgAAACQAAAASAAAAAAAAAAAAAAAAAAAAAEAAABQAAAAAAAAAAAA4D8AAAAAAADgPwAAAAAAAOA/AAAAAAAA4D8AAAAAAADgPwAAAAAAAOA/AAAAAAAA4D8AAAAAAADgPwAAAAAAAOA/AAAAAAAA4D8CAAAAjAAAAAAAAAAAAAAAu+DjDP///wgAAAAAAAAAAAAAAAAAAAAAAAAAAAAAAAAAAAAAZAAAAAEAAABAAAAAAAAAAAAAAAAAAAAAAAAAAAAAAAAAAAAAAAAAAAAAAAAAAAAAAAAAAAAAAAAAAAAAAAAAAAAAAAAAAAAAAAAAAAAAAAAAAAAAAAAAAAAAAAAAAAAAFAAAADwAAAABAAAAAAAAAFVVVQBQAAAAAQAAAAQAAAAAAAAAAAAAAAAAAAAAAAAAZAAAAGQAAAACAAAAZAAAAGQAAAAVAAAAYAAAAAAAAAAAAAAADwAAACADAAAAAAAAAAAAAAEAAACgMgAAAAAAAAAAAAABAAAAf39/AAEAAABkAAAAAAAAABQAAABAHwAAAAAAACYAAAAAAAAAwOD//wAAAAAmAAAAZAAAABYAAABMAAAAAAAAAAAAAAAEAAAAAAAAAAEAAACAgIAKAAAAACgAAAAoAAAAZAAAAGQAAAAAAAAAzMzMAAAAAABQAAAAUAAAAGQAAABkAAAAAAAAABcAAAAUAAAAAAAAAAAAAAD/fwAA/38AAAAAAAAJAAAABAAAAAAAAAAMAAAAEAAAAAAAAAAAAAAAAAAAAAAAAAAeAAAAaAAAAAAAAAAAAAAAAAAAAAAAAAAAAAAAECcAABAnAAAAAAAAAAAAAAAAAAAAAAAAAAAAAAAAAAAAAAAAAAAAABQAAAAAAAAAwMD/AAAAAABkAAAAMgAAAAAAAABkAAAAAAAAAH9/fwAKAAAAHwAAAFQAAAC74OMF////AQAAAAAAAAAAAAAAAAAAAAAAAAAAAAAAAAAAAAAAAAAAVVVVAH9/fwCAgIADzMzMAMDA/wB/f38AAAAAAAAAAAAAAAAAAAAAAAAAAAAhAAAAGAAAABQAAAACDwAA/xEAADAVAAA0FAAAEAAAACYAAAAIAAAA//////////8="/>
               </a:ext>
             </a:extLst>
           </p:cNvSpPr>
@@ -9550,7 +9550,7 @@
           <p:cNvSpPr>
             <a:extLst>
               <a:ext uri="smNativeData">
-                <pr:smNativeData xmlns:pr="smNativeData" val="SMDATA_13_BbpsXRMAAAAlAAAACgAAAA8BAAAAkAAAAEgAAACQAAAASAAAAAAAAAAAAAAAAAAAAAEAAABQAAAAAAAAAAAA4D8AAAAAAADgPwAAAAAAAOA/AAAAAAAA4D8AAAAAAADgPwAAAAAAAOA/AAAAAAAA4D8AAAAAAADgPwAAAAAAAOA/AAAAAAAA4D8CAAAAjAAAAAAAAAAAAAAAu+DjDP///wgAAAAAAAAAAAAAAAAAAAAAAAAAAAAAAAAAAAAAZAAAAAEAAABAAAAAAAAAAAAAAAAAAAAAAAAAAAAAAAAAAAAAAAAAAAAAAAAAAAAAAAAAAAAAAAAAAAAAAAAAAAAAAAAAAAAAAAAAAAAAAAAAAAAAAAAAAAAAAAAAAAAAFAAAADwAAAABAAAAAAAAAFVVVQBQAAAAAQAAAAQAAAAAAAAAAAAAAAAAAAAAAAAAZAAAAGQAAAACAAAAZAAAAGQAAAAVAAAAYAAAAAAAAAAAAAAADwAAACADAAAAAAAAAAAAAAEAAACgMgAAAAAAAAAAAAABAAAAf39/AAEAAABkAAAAAAAAABQAAABAHwAAAAAAACYAAAAAAAAAwOD//wAAAAAmAAAAZAAAABYAAABMAAAAAAAAAAAAAAAEAAAAAAAAAAEAAACAgIAKAAAAACgAAAAoAAAAZAAAAGQAAAAAAAAAzMzMAAAAAABQAAAAUAAAAGQAAABkAAAAAAAAABcAAAAUAAAAAAAAAAAAAAD/fwAA/38AAAAAAAAJAAAABAAAAAAAAAAMAAAAEAAAAAAAAAAAAAAAAAAAAAAAAAAeAAAAaAAAAAAAAAAAAAAAAAAAAAAAAAAAAAAAECcAABAnAAAAAAAAAAAAAAAAAAAAAAAAAAAAAAAAAAAAAAAAAAAAABQAAAAAAAAAwMD/AAAAAABkAAAAMgAAAAAAAABkAAAAAAAAAH9/fwAKAAAAHwAAAFQAAAC74OMF////AQAAAAAAAAAAAAAAAAAAAAAAAAAAAAAAAAAAAAAAAAAAVVVVAH9/fwCAgIADzMzMAMDA/wB/f38AAAAAAAAAAAAAAAAAAAAAAAAAAAAhAAAAGAAAABQAAACQDgAAgBkAAJIOAACnIwAAEAAAACYAAAAIAAAA//////////8="/>
+                <pr:smNativeData xmlns:pr="smNativeData" val="SMDATA_13_IrKAXRMAAAAlAAAACgAAAA8BAAAAkAAAAEgAAACQAAAASAAAAAAAAAAAAAAAAAAAAAEAAABQAAAAAAAAAAAA4D8AAAAAAADgPwAAAAAAAOA/AAAAAAAA4D8AAAAAAADgPwAAAAAAAOA/AAAAAAAA4D8AAAAAAADgPwAAAAAAAOA/AAAAAAAA4D8CAAAAjAAAAAAAAAAAAAAAu+DjDP///wgAAAAAAAAAAAAAAAAAAAAAAAAAAAAAAAAAAAAAZAAAAAEAAABAAAAAAAAAAAAAAAAAAAAAAAAAAAAAAAAAAAAAAAAAAAAAAAAAAAAAAAAAAAAAAAAAAAAAAAAAAAAAAAAAAAAAAAAAAAAAAAAAAAAAAAAAAAAAAAAAAAAAFAAAADwAAAABAAAAAAAAAFVVVQBQAAAAAQAAAAQAAAAAAAAAAAAAAAAAAAAAAAAAZAAAAGQAAAACAAAAZAAAAGQAAAAVAAAAYAAAAAAAAAAAAAAADwAAACADAAAAAAAAAAAAAAEAAACgMgAAAAAAAAAAAAABAAAAf39/AAEAAABkAAAAAAAAABQAAABAHwAAAAAAACYAAAAAAAAAwOD//wAAAAAmAAAAZAAAABYAAABMAAAAAAAAAAAAAAAEAAAAAAAAAAEAAACAgIAKAAAAACgAAAAoAAAAZAAAAGQAAAAAAAAAzMzMAAAAAABQAAAAUAAAAGQAAABkAAAAAAAAABcAAAAUAAAAAAAAAAAAAAD/fwAA/38AAAAAAAAJAAAABAAAAAAAAAAMAAAAEAAAAAAAAAAAAAAAAAAAAAAAAAAeAAAAaAAAAAAAAAAAAAAAAAAAAAAAAAAAAAAAECcAABAnAAAAAAAAAAAAAAAAAAAAAAAAAAAAAAAAAAAAAAAAAAAAABQAAAAAAAAAwMD/AAAAAABkAAAAMgAAAAAAAABkAAAAAAAAAH9/fwAKAAAAHwAAAFQAAAC74OMF////AQAAAAAAAAAAAAAAAAAAAAAAAAAAAAAAAAAAAAAAAAAAVVVVAH9/fwCAgIADzMzMAMDA/wB/f38AAAAAAAAAAAAAAAAAAAAAAAAAAAAhAAAAGAAAABQAAACQDgAAgBkAAJIOAACnIwAAEAAAACYAAAAIAAAA//////////8="/>
               </a:ext>
             </a:extLst>
           </p:cNvSpPr>
@@ -9582,7 +9582,7 @@
           <p:cNvSpPr>
             <a:extLst>
               <a:ext uri="smNativeData">
-                <pr:smNativeData xmlns:pr="smNativeData" val="SMDATA_13_BbpsXRMAAAAlAAAACgAAAA8BAAAAkAAAAEgAAACQAAAASAAAAAAAAAAAAAAAAAAAAAEAAABQAAAAAAAAAAAA4D8AAAAAAADgPwAAAAAAAOA/AAAAAAAA4D8AAAAAAADgPwAAAAAAAOA/AAAAAAAA4D8AAAAAAADgPwAAAAAAAOA/AAAAAAAA4D8CAAAAjAAAAAAAAAAAAAAAu+DjDP///wgAAAAAAAAAAAAAAAAAAAAAAAAAAAAAAAAAAAAAZAAAAAEAAABAAAAAAAAAAAAAAAAAAAAAAAAAAAAAAAAAAAAAAAAAAAAAAAAAAAAAAAAAAAAAAAAAAAAAAAAAAAAAAAAAAAAAAAAAAAAAAAAAAAAAAAAAAAAAAAAAAAAAFAAAADwAAAABAAAAAAAAAFVVVQBQAAAAAQAAAAQAAAAAAAAAAAAAAAAAAAAAAAAAZAAAAGQAAAACAAAAZAAAAGQAAAAVAAAAYAAAAAAAAAAAAAAADwAAACADAAAAAAAAAAAAAAEAAACgMgAAAAAAAAAAAAABAAAAf39/AAEAAABkAAAAAAAAABQAAABAHwAAAAAAACYAAAAAAAAAwOD//wAAAAAmAAAAZAAAABYAAABMAAAAAAAAAAAAAAAEAAAAAAAAAAEAAACAgIAKAAAAACgAAAAoAAAAZAAAAGQAAAAAAAAAzMzMAAAAAABQAAAAUAAAAGQAAABkAAAAAAAAABcAAAAUAAAAAAAAAAAAAAD/fwAA/38AAAAAAAAJAAAABAAAAAAAAAAMAAAAEAAAAAAAAAAAAAAAAAAAAAAAAAAeAAAAaAAAAAAAAAAAAAAAAAAAAAAAAAAAAAAAECcAABAnAAAAAAAAAAAAAAAAAAAAAAAAAAAAAAAAAAAAAAAAAAAAABQAAAAAAAAAwMD/AAAAAABkAAAAMgAAAAAAAABkAAAAAAAAAH9/fwAKAAAAHwAAAFQAAAC74OMF////AQAAAAAAAAAAAAAAAAAAAAAAAAAAAAAAAAAAAAAAAAAAVVVVAH9/fwCAgIADzMzMAMDA/wB/f38AAAAAAAAAAAAAAAAAAAAAAAAAAAAhAAAAGAAAABQAAADmHgAAswwAAN8iAAAkDQAAEAAAACYAAAAIAAAA//////////8="/>
+                <pr:smNativeData xmlns:pr="smNativeData" val="SMDATA_13_IrKAXRMAAAAlAAAACgAAAA8BAAAAkAAAAEgAAACQAAAASAAAAAAAAAAAAAAAAAAAAAEAAABQAAAAAAAAAAAA4D8AAAAAAADgPwAAAAAAAOA/AAAAAAAA4D8AAAAAAADgPwAAAAAAAOA/AAAAAAAA4D8AAAAAAADgPwAAAAAAAOA/AAAAAAAA4D8CAAAAjAAAAAAAAAAAAAAAu+DjDP///wgAAAAAAAAAAAAAAAAAAAAAAAAAAAAAAAAAAAAAZAAAAAEAAABAAAAAAAAAAAAAAAAAAAAAAAAAAAAAAAAAAAAAAAAAAAAAAAAAAAAAAAAAAAAAAAAAAAAAAAAAAAAAAAAAAAAAAAAAAAAAAAAAAAAAAAAAAAAAAAAAAAAAFAAAADwAAAABAAAAAAAAAFVVVQBQAAAAAQAAAAQAAAAAAAAAAAAAAAAAAAAAAAAAZAAAAGQAAAACAAAAZAAAAGQAAAAVAAAAYAAAAAAAAAAAAAAADwAAACADAAAAAAAAAAAAAAEAAACgMgAAAAAAAAAAAAABAAAAf39/AAEAAABkAAAAAAAAABQAAABAHwAAAAAAACYAAAAAAAAAwOD//wAAAAAmAAAAZAAAABYAAABMAAAAAAAAAAAAAAAEAAAAAAAAAAEAAACAgIAKAAAAACgAAAAoAAAAZAAAAGQAAAAAAAAAzMzMAAAAAABQAAAAUAAAAGQAAABkAAAAAAAAABcAAAAUAAAAAAAAAAAAAAD/fwAA/38AAAAAAAAJAAAABAAAAAAAAAAMAAAAEAAAAAAAAAAAAAAAAAAAAAAAAAAeAAAAaAAAAAAAAAAAAAAAAAAAAAAAAAAAAAAAECcAABAnAAAAAAAAAAAAAAAAAAAAAAAAAAAAAAAAAAAAAAAAAAAAABQAAAAAAAAAwMD/AAAAAABkAAAAMgAAAAAAAABkAAAAAAAAAH9/fwAKAAAAHwAAAFQAAAC74OMF////AQAAAAAAAAAAAAAAAAAAAAAAAAAAAAAAAAAAAAAAAAAAVVVVAH9/fwCAgIADzMzMAMDA/wB/f38AAAAAAAAAAAAAAAAAAAAAAAAAAAAhAAAAGAAAABQAAADmHgAAswwAAN8iAAAkDQAAEAAAACYAAAAIAAAA//////////8="/>
               </a:ext>
             </a:extLst>
           </p:cNvSpPr>
@@ -9614,7 +9614,7 @@
           <p:cNvSpPr>
             <a:extLst>
               <a:ext uri="smNativeData">
-                <pr:smNativeData xmlns:pr="smNativeData" val="SMDATA_13_BbpsXRMAAAAlAAAAZAAAAA8BAAAAkAAAAEgAAACQAAAASAAAAAAAAAABAAAAAAAAAAEAAABQAAAAAAAAAAAA4D8AAAAAAADgPwAAAAAAAOA/AAAAAAAA4D8AAAAAAADgPwAAAAAAAOA/AAAAAAAA4D8AAAAAAADgPwAAAAAAAOA/AAAAAAAA4D8CAAAAjAAAAAAAAAAAAAAAu+DjDP///wgAAAAAAAAAAAAAAAAAAAAAAAAAAAAAAAAAAAAAZAAAAAEAAABAAAAAAAAAAAAAAAAAAAAAAAAAAAAAAAAAAAAAAAAAAAAAAAAAAAAAAAAAAAAAAAAAAAAAAAAAAAAAAAAAAAAAAAAAAAAAAAAAAAAAAAAAAAAAAAAAAAAAFAAAADwAAAAAAAAAAAAAAAAAAAkUAAAAAQAAABQAAAAUAAAAFAAAAAEAAAAAAAAAZAAAAGQAAAAAAAAAZAAAAGQAAAAVAAAAYAAAAAAAAAAAAAAADwAAACADAAAAAAAAAAAAAAEAAACgMgAAVgcAAKr4//8BAAAAf39/AAEAAABkAAAAAAAAABQAAABAHwAAAAAAACYAAAAAAAAAwOD//wAAAAAmAAAAZAAAABYAAABMAAAAAAAAAAAAAAAEAAAAAAAAAAEAAACAgIAKAAAAACgAAAAoAAAAZAAAAGQAAAAAAAAAzMzMAAAAAABQAAAAUAAAAGQAAABkAAAAAAAAABcAAAAUAAAAAAAAAAAAAAD/fwAA/38AAAAAAAAJAAAABAAAAAAAAAAMAAAAEAAAAAAAAAAAAAAAAAAAAAAAAAAeAAAAaAAAAAAAAAAAAAAAAAAAAAAAAAAAAAAAECcAABAnAAAAAAAAAAAAAAAAAAAAAAAAAAAAAAAAAAAAAAAAAAAAABQAAAAAAAAAwMD/AAAAAABkAAAAMgAAAAAAAABkAAAAAAAAAH9/fwAKAAAAHwAAAFQAAAC74OMF////AQAAAAAAAAAAAAAAAAAAAAAAAAAAAAAAAAAAAAAAAAAAAAAAAn9/fwCAgIADzMzMAMDA/wB/f38AAAAAAAAAAAAAAAAAAAAAAAAAAAAhAAAAGAAAABQAAABqBAAAiAMAABY0AAAoBwAAEAAAACYAAAAIAAAA//////////8="/>
+                <pr:smNativeData xmlns:pr="smNativeData" val="SMDATA_13_IrKAXRMAAAAlAAAAZAAAAA8BAAAAkAAAAEgAAACQAAAASAAAAAAAAAABAAAAAAAAAAEAAABQAAAAAAAAAAAA4D8AAAAAAADgPwAAAAAAAOA/AAAAAAAA4D8AAAAAAADgPwAAAAAAAOA/AAAAAAAA4D8AAAAAAADgPwAAAAAAAOA/AAAAAAAA4D8CAAAAjAAAAAAAAAAAAAAAu+DjDP///wgAAAAAAAAAAAAAAAAAAAAAAAAAAAAAAAAAAAAAZAAAAAEAAABAAAAAAAAAAAAAAAAAAAAAAAAAAAAAAAAAAAAAAAAAAAAAAAAAAAAAAAAAAAAAAAAAAAAAAAAAAAAAAAAAAAAAAAAAAAAAAAAAAAAAAAAAAAAAAAAAAAAAFAAAADwAAAAAAAAAAAAAAAAAAAkUAAAAAQAAABQAAAAUAAAAFAAAAAEAAAAAAAAAZAAAAGQAAAAAAAAAZAAAAGQAAAAVAAAAYAAAAAAAAAAAAAAADwAAACADAAAAAAAAAAAAAAEAAACgMgAAVgcAAKr4//8BAAAAf39/AAEAAABkAAAAAAAAABQAAABAHwAAAAAAACYAAAAAAAAAwOD//wAAAAAmAAAAZAAAABYAAABMAAAAAAAAAAAAAAAEAAAAAAAAAAEAAACAgIAKAAAAACgAAAAoAAAAZAAAAGQAAAAAAAAAzMzMAAAAAABQAAAAUAAAAGQAAABkAAAAAAAAABcAAAAUAAAAAAAAAAAAAAD/fwAA/38AAAAAAAAJAAAABAAAAAAAAAAMAAAAEAAAAAAAAAAAAAAAAAAAAAAAAAAeAAAAaAAAAAAAAAAAAAAAAAAAAAAAAAAAAAAAECcAABAnAAAAAAAAAAAAAAAAAAAAAAAAAAAAAAAAAAAAAAAAAAAAABQAAAAAAAAAwMD/AAAAAABkAAAAMgAAAAAAAABkAAAAAAAAAH9/fwAKAAAAHwAAAFQAAAC74OMF////AQAAAAAAAAAAAAAAAAAAAAAAAAAAAAAAAAAAAAAAAAAAAAAAAn9/fwCAgIADzMzMAMDA/wB/f38AAAAAAAAAAAAAAAAAAAAAAAAAAAAhAAAAGAAAABQAAABqBAAAiAMAABY0AAAoBwAAEAAAACYAAAAIAAAA//////////8="/>
               </a:ext>
             </a:extLst>
           </p:cNvSpPr>
@@ -9660,7 +9660,7 @@
           <p:cNvSpPr>
             <a:extLst>
               <a:ext uri="smNativeData">
-                <pr:smNativeData xmlns:pr="smNativeData" val="SMDATA_13_BbpsXRMAAAAlAAAAZAAAAA8BAAAAkAAAAEgAAACQAAAASAAAAAAAAAAAAAAAAAAAAAEAAABQAAAAAAAAAAAA4D8AAAAAAADgPwAAAAAAAOA/AAAAAAAA4D8AAAAAAADgPwAAAAAAAOA/AAAAAAAA4D8AAAAAAADgPwAAAAAAAOA/AAAAAAAA4D8CAAAAjAAAAAAAAAAAAAAAu+DjDP///wgAAAAAAAAAAAAAAAAAAAAAAAAAAAAAAAAAAAAAZAAAAAEAAABAAAAAAAAAAAAAAAAAAAAAAAAAAAAAAAAAAAAAAAAAAAAAAAAAAAAAAAAAAAAAAAAAAAAAAAAAAAAAAAAAAAAAAAAAAAAAAAAAAAAAAAAAAAAAAAAAAAAAFAAAADwAAAABAAAAAAAAAB4eHgB4AAAAAQAAAAYAAAAAAAAAAAAAAAAAAAAAAAAAZAAAAGQAAAAAAAAAZAAAAGQAAAAVAAAAYAAAAAAAAAAAAAAADwAAACADAAAAAAAAAAAAAAEAAACgMgAAAAAAAAAAAAABAAAAf39/AAEAAABkAAAAAAAAABQAAABAHwAAAAAAACYAAAAAAAAAwOD//wAAAAAmAAAAZAAAABYAAABMAAAAAAAAAAAAAAAEAAAAAAAAAAEAAACAgIAKAAAAACgAAAAoAAAAZAAAAGQAAAAAAAAAzMzMAAAAAABQAAAAUAAAAGQAAABkAAAAAAAAABcAAAAUAAAAAAAAAAAAAAD/fwAA/38AAAAAAAAJAAAABAAAAAAAAAAMAAAAEAAAAAAAAAAAAAAAAAAAAAAAAAAeAAAAaAAAAAAAAAAAAAAAAAAAAAAAAAAAAAAAECcAABAnAAAAAAAAAAAAAAAAAAAAAAAAAAAAAAAAAAAAAAAAPAAAABQAAAAoAAAAHh4eAAAAAABkAAAAMgAAAAAAAABkAAAAAAAAAH9/fwAKAAAAHwAAAFQAAAC74OMF////AQAAAAAAAAAAAAAAAAAAAAAAAAAAAAAAAAAAAAAAAAAAHh4eAH9/fwCAgIADzMzMAB4eHgB/f38AAAAAAAAAAAAAAAAAAAAAAAAAAAAhAAAAGAAAABQAAADMGQAADQoAAKceAADoDgAAEAAAACYAAAAIAAAA//////////8="/>
+                <pr:smNativeData xmlns:pr="smNativeData" val="SMDATA_13_IrKAXRMAAAAlAAAAZAAAAA8BAAAAkAAAAEgAAACQAAAASAAAAAAAAAAAAAAAAAAAAAEAAABQAAAAAAAAAAAA4D8AAAAAAADgPwAAAAAAAOA/AAAAAAAA4D8AAAAAAADgPwAAAAAAAOA/AAAAAAAA4D8AAAAAAADgPwAAAAAAAOA/AAAAAAAA4D8CAAAAjAAAAAAAAAAAAAAAu+DjDP///wgAAAAAAAAAAAAAAAAAAAAAAAAAAAAAAAAAAAAAZAAAAAEAAABAAAAAAAAAAAAAAAAAAAAAAAAAAAAAAAAAAAAAAAAAAAAAAAAAAAAAAAAAAAAAAAAAAAAAAAAAAAAAAAAAAAAAAAAAAAAAAAAAAAAAAAAAAAAAAAAAAAAAFAAAADwAAAABAAAAAAAAAB4eHgB4AAAAAQAAAAYAAAAAAAAAAAAAAAAAAAAAAAAAZAAAAGQAAAAAAAAAZAAAAGQAAAAVAAAAYAAAAAAAAAAAAAAADwAAACADAAAAAAAAAAAAAAEAAACgMgAAAAAAAAAAAAABAAAAf39/AAEAAABkAAAAAAAAABQAAABAHwAAAAAAACYAAAAAAAAAwOD//wAAAAAmAAAAZAAAABYAAABMAAAAAAAAAAAAAAAEAAAAAAAAAAEAAACAgIAKAAAAACgAAAAoAAAAZAAAAGQAAAAAAAAAzMzMAAAAAABQAAAAUAAAAGQAAABkAAAAAAAAABcAAAAUAAAAAAAAAAAAAAD/fwAA/38AAAAAAAAJAAAABAAAAAAAAAAMAAAAEAAAAAAAAAAAAAAAAAAAAAAAAAAeAAAAaAAAAAAAAAAAAAAAAAAAAAAAAAAAAAAAECcAABAnAAAAAAAAAAAAAAAAAAAAAAAAAAAAAAAAAAAAAAAAPAAAABQAAAAoAAAAHh4eAAAAAABkAAAAMgAAAAAAAABkAAAAAAAAAH9/fwAKAAAAHwAAAFQAAAC74OMF////AQAAAAAAAAAAAAAAAAAAAAAAAAAAAAAAAAAAAAAAAAAAHh4eAH9/fwCAgIADzMzMAB4eHgB/f38AAAAAAAAAAAAAAAAAAAAAAAAAAAAhAAAAGAAAABQAAADMGQAADQoAAKceAADoDgAAEAAAACYAAAAIAAAA//////////8="/>
               </a:ext>
             </a:extLst>
           </p:cNvSpPr>
@@ -9699,7 +9699,7 @@
           <p:cNvSpPr>
             <a:extLst>
               <a:ext uri="smNativeData">
-                <pr:smNativeData xmlns:pr="smNativeData" val="SMDATA_13_BbpsXRMAAAAlAAAAZAAAAA8BAAAAkAAAAEgAAACQAAAASAAAAAAAAAAAAAAAAAAAAAEAAABQAAAAAAAAAAAA4D8AAAAAAADgPwAAAAAAAOA/AAAAAAAA4D8AAAAAAADgPwAAAAAAAOA/AAAAAAAA4D8AAAAAAADgPwAAAAAAAOA/AAAAAAAA4D8CAAAAjAAAAAAAAAAAAAAAu+DjDP///wgAAAAAAAAAAAAAAAAAAAAAAAAAAAAAAAAAAAAAZAAAAAEAAABAAAAAAAAAAAAAAAAAAAAAAAAAAAAAAAAAAAAAAAAAAAAAAAAAAAAAAAAAAAAAAAAAAAAAAAAAAAAAAAAAAAAAAAAAAAAAAAAAAAAAAAAAAAAAAAAAAAAAFAAAADwAAAABAAAAAAAAAB4eHgB4AAAAAQAAAAYAAAAAAAAAAAAAAAAAAAAAAAAAZAAAAGQAAAAAAAAAZAAAAGQAAAAVAAAAYAAAAAAAAAAAAAAADwAAACADAAAAAAAAAAAAAAEAAACgMgAAAAAAAAAAAAABAAAAf39/AAEAAABkAAAAAAAAABQAAABAHwAAAAAAACYAAAAAAAAAwOD//wAAAAAmAAAAZAAAABYAAABMAAAAAAAAAAAAAAAEAAAAAAAAAAEAAACAgIAKAAAAACgAAAAoAAAAZAAAAGQAAAAAAAAAzMzMAAAAAABQAAAAUAAAAGQAAABkAAAAAAAAABcAAAAUAAAAAAAAAAAAAAD/fwAA/38AAAAAAAAJAAAABAAAAAAAAAAMAAAAEAAAAAAAAAAAAAAAAAAAAAAAAAAeAAAAaAAAAAAAAAAAAAAAAAAAAAAAAAAAAAAAECcAABAnAAAAAAAAAAAAAAAAAAAAAAAAAAAAAAAAAAAAAAAAPAAAABQAAAAoAAAAHh4eAAAAAABkAAAAMgAAAAAAAABkAAAAAAAAAH9/fwAKAAAAHwAAAFQAAAC74OMF////AQAAAAAAAAAAAAAAAAAAAAAAAAAAAAAAAAAAAAAAAAAAHh4eAH9/fwCAgIADzMzMAB4eHgB/f38AAAAAAAAAAAAAAAAAAAAAAAAAAAAhAAAAGAAAABQAAAARIwAAfgoAAOwnAABZDwAAEAAAACYAAAAIAAAA//////////8="/>
+                <pr:smNativeData xmlns:pr="smNativeData" val="SMDATA_13_IrKAXRMAAAAlAAAAZAAAAA8BAAAAkAAAAEgAAACQAAAASAAAAAAAAAAAAAAAAAAAAAEAAABQAAAAAAAAAAAA4D8AAAAAAADgPwAAAAAAAOA/AAAAAAAA4D8AAAAAAADgPwAAAAAAAOA/AAAAAAAA4D8AAAAAAADgPwAAAAAAAOA/AAAAAAAA4D8CAAAAjAAAAAAAAAAAAAAAu+DjDP///wgAAAAAAAAAAAAAAAAAAAAAAAAAAAAAAAAAAAAAZAAAAAEAAABAAAAAAAAAAAAAAAAAAAAAAAAAAAAAAAAAAAAAAAAAAAAAAAAAAAAAAAAAAAAAAAAAAAAAAAAAAAAAAAAAAAAAAAAAAAAAAAAAAAAAAAAAAAAAAAAAAAAAFAAAADwAAAABAAAAAAAAAB4eHgB4AAAAAQAAAAYAAAAAAAAAAAAAAAAAAAAAAAAAZAAAAGQAAAAAAAAAZAAAAGQAAAAVAAAAYAAAAAAAAAAAAAAADwAAACADAAAAAAAAAAAAAAEAAACgMgAAAAAAAAAAAAABAAAAf39/AAEAAABkAAAAAAAAABQAAABAHwAAAAAAACYAAAAAAAAAwOD//wAAAAAmAAAAZAAAABYAAABMAAAAAAAAAAAAAAAEAAAAAAAAAAEAAACAgIAKAAAAACgAAAAoAAAAZAAAAGQAAAAAAAAAzMzMAAAAAABQAAAAUAAAAGQAAABkAAAAAAAAABcAAAAUAAAAAAAAAAAAAAD/fwAA/38AAAAAAAAJAAAABAAAAAAAAAAMAAAAEAAAAAAAAAAAAAAAAAAAAAAAAAAeAAAAaAAAAAAAAAAAAAAAAAAAAAAAAAAAAAAAECcAABAnAAAAAAAAAAAAAAAAAAAAAAAAAAAAAAAAAAAAAAAAPAAAABQAAAAoAAAAHh4eAAAAAABkAAAAMgAAAAAAAABkAAAAAAAAAH9/fwAKAAAAHwAAAFQAAAC74OMF////AQAAAAAAAAAAAAAAAAAAAAAAAAAAAAAAAAAAAAAAAAAAHh4eAH9/fwCAgIADzMzMAB4eHgB/f38AAAAAAAAAAAAAAAAAAAAAAAAAAAAhAAAAGAAAABQAAAARIwAAfgoAAOwnAABZDwAAEAAAACYAAAAIAAAA//////////8="/>
               </a:ext>
             </a:extLst>
           </p:cNvSpPr>
@@ -9738,7 +9738,7 @@
           <p:cNvSpPr>
             <a:extLst>
               <a:ext uri="smNativeData">
-                <pr:smNativeData xmlns:pr="smNativeData" val="SMDATA_13_BbpsXRMAAAAlAAAAZAAAAA8BAAAAkAAAAEgAAACQAAAASAAAAAAAAAAAAAAAAAAAAAEAAABQAAAAAAAAAAAA4D8AAAAAAADgPwAAAAAAAOA/AAAAAAAA4D8AAAAAAADgPwAAAAAAAOA/AAAAAAAA4D8AAAAAAADgPwAAAAAAAOA/AAAAAAAA4D8CAAAAjAAAAAAAAAAAAAAAu+DjDP///wgAAAAAAAAAAAAAAAAAAAAAAAAAAAAAAAAAAAAAZAAAAAEAAABAAAAAAAAAAAAAAAAAAAAAAAAAAAAAAAAAAAAAAAAAAAAAAAAAAAAAAAAAAAAAAAAAAAAAAAAAAAAAAAAAAAAAAAAAAAAAAAAAAAAAAAAAAAAAAAAAAAAAFAAAADwAAAABAAAAAAAAAB4eHgB4AAAAAQAAAAYAAAAAAAAAAAAAAAAAAAAAAAAAZAAAAGQAAAAAAAAAZAAAAGQAAAAVAAAAYAAAAAAAAAAAAAAADwAAACADAAAAAAAAAAAAAAEAAACgMgAAAAAAAAAAAAABAAAAf39/AAEAAABkAAAAAAAAABQAAABAHwAAAAAAACYAAAAAAAAAwOD//wAAAAAmAAAAZAAAABYAAABMAAAAAAAAAAAAAAAEAAAAAAAAAAEAAACAgIAKAAAAACgAAAAoAAAAZAAAAGQAAAAAAAAAzMzMAAAAAABQAAAAUAAAAGQAAABkAAAAAAAAABcAAAAUAAAAAAAAAAAAAAD/fwAA/38AAAAAAAAJAAAABAAAAAAAAAAMAAAAEAAAAAAAAAAAAAAAAAAAAAAAAAAeAAAAaAAAAAAAAAAAAAAAAAAAAAAAAAAAAAAAECcAABAnAAAAAAAAAAAAAAAAAAAAAAAAAAAAAAAAAAAAAAAAPAAAABQAAAAoAAAAHh4eAAAAAABkAAAAMgAAAAAAAABkAAAAAAAAAH9/fwAKAAAAHwAAAFQAAAC74OMF////AQAAAAAAAAAAAAAAAAAAAAAAAAAAAAAAAAAAAAAAAAAAHh4eAH9/fwCAgIADzMzMAB4eHgB/f38AAAAAAAAAAAAAAAAAAAAAAAAAAAAhAAAAGAAAABQAAAA3DAAAGCQAABIRAADzKAAAEAAAACYAAAAIAAAA//////////8="/>
+                <pr:smNativeData xmlns:pr="smNativeData" val="SMDATA_13_IrKAXRMAAAAlAAAAZAAAAA8BAAAAkAAAAEgAAACQAAAASAAAAAAAAAAAAAAAAAAAAAEAAABQAAAAAAAAAAAA4D8AAAAAAADgPwAAAAAAAOA/AAAAAAAA4D8AAAAAAADgPwAAAAAAAOA/AAAAAAAA4D8AAAAAAADgPwAAAAAAAOA/AAAAAAAA4D8CAAAAjAAAAAAAAAAAAAAAu+DjDP///wgAAAAAAAAAAAAAAAAAAAAAAAAAAAAAAAAAAAAAZAAAAAEAAABAAAAAAAAAAAAAAAAAAAAAAAAAAAAAAAAAAAAAAAAAAAAAAAAAAAAAAAAAAAAAAAAAAAAAAAAAAAAAAAAAAAAAAAAAAAAAAAAAAAAAAAAAAAAAAAAAAAAAFAAAADwAAAABAAAAAAAAAB4eHgB4AAAAAQAAAAYAAAAAAAAAAAAAAAAAAAAAAAAAZAAAAGQAAAAAAAAAZAAAAGQAAAAVAAAAYAAAAAAAAAAAAAAADwAAACADAAAAAAAAAAAAAAEAAACgMgAAAAAAAAAAAAABAAAAf39/AAEAAABkAAAAAAAAABQAAABAHwAAAAAAACYAAAAAAAAAwOD//wAAAAAmAAAAZAAAABYAAABMAAAAAAAAAAAAAAAEAAAAAAAAAAEAAACAgIAKAAAAACgAAAAoAAAAZAAAAGQAAAAAAAAAzMzMAAAAAABQAAAAUAAAAGQAAABkAAAAAAAAABcAAAAUAAAAAAAAAAAAAAD/fwAA/38AAAAAAAAJAAAABAAAAAAAAAAMAAAAEAAAAAAAAAAAAAAAAAAAAAAAAAAeAAAAaAAAAAAAAAAAAAAAAAAAAAAAAAAAAAAAECcAABAnAAAAAAAAAAAAAAAAAAAAAAAAAAAAAAAAAAAAAAAAPAAAABQAAAAoAAAAHh4eAAAAAABkAAAAMgAAAAAAAABkAAAAAAAAAH9/fwAKAAAAHwAAAFQAAAC74OMF////AQAAAAAAAAAAAAAAAAAAAAAAAAAAAAAAAAAAAAAAAAAAHh4eAH9/fwCAgIADzMzMAB4eHgB/f38AAAAAAAAAAAAAAAAAAAAAAAAAAAAhAAAAGAAAABQAAAA3DAAAGCQAABIRAADzKAAAEAAAACYAAAAIAAAA//////////8="/>
               </a:ext>
             </a:extLst>
           </p:cNvSpPr>
@@ -9777,7 +9777,7 @@
           <p:cNvSpPr>
             <a:extLst>
               <a:ext uri="smNativeData">
-                <pr:smNativeData xmlns:pr="smNativeData" val="SMDATA_13_BbpsXRMAAAAlAAAAZAAAAA8BAAAAkAAAAEgAAACQAAAASAAAAAAAAAAAAAAAAAAAAAEAAABQAAAAAAAAAAAA4D8AAAAAAADgPwAAAAAAAOA/AAAAAAAA4D8AAAAAAADgPwAAAAAAAOA/AAAAAAAA4D8AAAAAAADgPwAAAAAAAOA/AAAAAAAA4D8CAAAAjAAAAAAAAAAAAAAAu+DjDP///wgAAAAAAAAAAAAAAAAAAAAAAAAAAAAAAAAAAAAAZAAAAAEAAABAAAAAAAAAAAAAAAAAAAAAAAAAAAAAAAAAAAAAAAAAAAAAAAAAAAAAAAAAAAAAAAAAAAAAAAAAAAAAAAAAAAAAAAAAAAAAAAAAAAAAAAAAAAAAAAAAAAAAFAAAADwAAAABAAAAAAAAAB4eHgB4AAAAAQAAAAYAAAAAAAAAAAAAAAAAAAAAAAAAZAAAAGQAAAAAAAAAZAAAAGQAAAAVAAAAYAAAAAAAAAAAAAAADwAAACADAAAAAAAAAAAAAAEAAACgMgAAAAAAAAAAAAABAAAAf39/AAEAAABkAAAAAAAAABQAAABAHwAAAAAAACYAAAAAAAAAwOD//wAAAAAmAAAAZAAAABYAAABMAAAAAAAAAAAAAAAEAAAAAAAAAAEAAACAgIAKAAAAACgAAAAoAAAAZAAAAGQAAAAAAAAAzMzMAAAAAABQAAAAUAAAAGQAAABkAAAAAAAAABcAAAAUAAAAAAAAAAAAAAD/fwAA/38AAAAAAAAJAAAABAAAAAAAAAAMAAAAEAAAAAAAAAAAAAAAAAAAAAAAAAAeAAAAaAAAAAAAAAAAAAAAAAAAAAAAAAAAAAAAECcAABAnAAAAAAAAAAAAAAAAAAAAAAAAAAAAAAAAAAAAAAAAPAAAABQAAAAoAAAAHh4eAAAAAABkAAAAMgAAAAAAAABkAAAAAAAAAH9/fwAKAAAAHwAAAFQAAAC74OMF////AQAAAAAAAAAAAAAAAAAAAAAAAAAAAAAAAAAAAAAAAAAAHh4eAH9/fwCAgIADzMzMAB4eHgB/f38AAAAAAAAAAAAAAAAAAAAAAAAAAAAhAAAAGAAAABQAAABcDAAApRQAADcRAACAGQAAEAAAACYAAAAIAAAA//////////8="/>
+                <pr:smNativeData xmlns:pr="smNativeData" val="SMDATA_13_IrKAXRMAAAAlAAAAZAAAAA8BAAAAkAAAAEgAAACQAAAASAAAAAAAAAAAAAAAAAAAAAEAAABQAAAAAAAAAAAA4D8AAAAAAADgPwAAAAAAAOA/AAAAAAAA4D8AAAAAAADgPwAAAAAAAOA/AAAAAAAA4D8AAAAAAADgPwAAAAAAAOA/AAAAAAAA4D8CAAAAjAAAAAAAAAAAAAAAu+DjDP///wgAAAAAAAAAAAAAAAAAAAAAAAAAAAAAAAAAAAAAZAAAAAEAAABAAAAAAAAAAAAAAAAAAAAAAAAAAAAAAAAAAAAAAAAAAAAAAAAAAAAAAAAAAAAAAAAAAAAAAAAAAAAAAAAAAAAAAAAAAAAAAAAAAAAAAAAAAAAAAAAAAAAAFAAAADwAAAABAAAAAAAAAB4eHgB4AAAAAQAAAAYAAAAAAAAAAAAAAAAAAAAAAAAAZAAAAGQAAAAAAAAAZAAAAGQAAAAVAAAAYAAAAAAAAAAAAAAADwAAACADAAAAAAAAAAAAAAEAAACgMgAAAAAAAAAAAAABAAAAf39/AAEAAABkAAAAAAAAABQAAABAHwAAAAAAACYAAAAAAAAAwOD//wAAAAAmAAAAZAAAABYAAABMAAAAAAAAAAAAAAAEAAAAAAAAAAEAAACAgIAKAAAAACgAAAAoAAAAZAAAAGQAAAAAAAAAzMzMAAAAAABQAAAAUAAAAGQAAABkAAAAAAAAABcAAAAUAAAAAAAAAAAAAAD/fwAA/38AAAAAAAAJAAAABAAAAAAAAAAMAAAAEAAAAAAAAAAAAAAAAAAAAAAAAAAeAAAAaAAAAAAAAAAAAAAAAAAAAAAAAAAAAAAAECcAABAnAAAAAAAAAAAAAAAAAAAAAAAAAAAAAAAAAAAAAAAAPAAAABQAAAAoAAAAHh4eAAAAAABkAAAAMgAAAAAAAABkAAAAAAAAAH9/fwAKAAAAHwAAAFQAAAC74OMF////AQAAAAAAAAAAAAAAAAAAAAAAAAAAAAAAAAAAAAAAAAAAHh4eAH9/fwCAgIADzMzMAB4eHgB/f38AAAAAAAAAAAAAAAAAAAAAAAAAAAAhAAAAGAAAABQAAABcDAAApRQAADcRAACAGQAAEAAAACYAAAAIAAAA//////////8="/>
               </a:ext>
             </a:extLst>
           </p:cNvSpPr>
@@ -9816,7 +9816,7 @@
           <p:cNvSpPr>
             <a:extLst>
               <a:ext uri="smNativeData">
-                <pr:smNativeData xmlns:pr="smNativeData" val="SMDATA_13_BbpsXRMAAAAlAAAAZAAAAA8BAAAAkAAAAEgAAACQAAAASAAAAAAAAAAAAAAAAAAAAAEAAABQAAAAAAAAAAAA4D8AAAAAAADgPwAAAAAAAOA/AAAAAAAA4D8AAAAAAADgPwAAAAAAAOA/AAAAAAAA4D8AAAAAAADgPwAAAAAAAOA/AAAAAAAA4D8CAAAAjAAAAAAAAAAAAAAAu+DjDP///wgAAAAAAAAAAAAAAAAAAAAAAAAAAAAAAAAAAAAAZAAAAAEAAABAAAAAAAAAAAAAAAAAAAAAAAAAAAAAAAAAAAAAAAAAAAAAAAAAAAAAAAAAAAAAAAAAAAAAAAAAAAAAAAAAAAAAAAAAAAAAAAAAAAAAAAAAAAAAAAAAAAAAFAAAADwAAAABAAAAAAAAABx9HAA8AAAAAQAAAAMAAAAAAAAAAAAAAAAAAAAAAAAAZAAAAGQAAAAAAAAAZAAAAGQAAAAVAAAAYAAAAAAAAAAAAAAADwAAACADAAAAAAAAAAAAAAEAAACgMgAAAAAAAAAAAAABAAAAf39/AAEAAABkAAAAAAAAABQAAABAHwAAAAAAACYAAAAAAAAAwOD//wAAAAAmAAAAZAAAABYAAABMAAAAAAAAAAAAAAAEAAAAAAAAAAEAAACAgIAKAAAAACgAAAAoAAAAZAAAAGQAAAAAAAAAzMzMAAAAAABQAAAAUAAAAGQAAABkAAAAAAAAABcAAAAUAAAAAAAAAAAAAAD/fwAA/38AAAAAAAAJAAAABAAAAAAAAAAMAAAAEAAAAAAAAAAAAAAAAAAAAAAAAAAeAAAAaAAAAAAAAAAAAAAAAAAAAAAAAAAAAAAAECcAABAnAAAAAAAAAAAAAAAAAAAAAAAAAAAAAAAAAAAAAAAAPAAAABQAAAAoAAAAHH0cAAAAAABkAAAAMgAAAAAAAABkAAAAAAAAAH9/fwAKAAAAHwAAAFQAAAC74OMF////AQAAAAAAAAAAAAAAAAAAAAAAAAAAAAAAAAAAAAAAAAAAHH0cAH9/fwCAgIADzMzMABx9HAB/f38AAAAAAAAAAAAAAAAAAAAAAAAAAAAhAAAAGAAAABQAAAAnCgAAUhMAAGwTAABEGwAAEAAAACYAAAAIAAAA//////////8="/>
+                <pr:smNativeData xmlns:pr="smNativeData" val="SMDATA_13_IrKAXRMAAAAlAAAAZAAAAA8BAAAAkAAAAEgAAACQAAAASAAAAAAAAAAAAAAAAAAAAAEAAABQAAAAAAAAAAAA4D8AAAAAAADgPwAAAAAAAOA/AAAAAAAA4D8AAAAAAADgPwAAAAAAAOA/AAAAAAAA4D8AAAAAAADgPwAAAAAAAOA/AAAAAAAA4D8CAAAAjAAAAAAAAAAAAAAAu+DjDP///wgAAAAAAAAAAAAAAAAAAAAAAAAAAAAAAAAAAAAAZAAAAAEAAABAAAAAAAAAAAAAAAAAAAAAAAAAAAAAAAAAAAAAAAAAAAAAAAAAAAAAAAAAAAAAAAAAAAAAAAAAAAAAAAAAAAAAAAAAAAAAAAAAAAAAAAAAAAAAAAAAAAAAFAAAADwAAAABAAAAAAAAABx9HAA8AAAAAQAAAAMAAAAAAAAAAAAAAAAAAAAAAAAAZAAAAGQAAAAAAAAAZAAAAGQAAAAVAAAAYAAAAAAAAAAAAAAADwAAACADAAAAAAAAAAAAAAEAAACgMgAAAAAAAAAAAAABAAAAf39/AAEAAABkAAAAAAAAABQAAABAHwAAAAAAACYAAAAAAAAAwOD//wAAAAAmAAAAZAAAABYAAABMAAAAAAAAAAAAAAAEAAAAAAAAAAEAAACAgIAKAAAAACgAAAAoAAAAZAAAAGQAAAAAAAAAzMzMAAAAAABQAAAAUAAAAGQAAABkAAAAAAAAABcAAAAUAAAAAAAAAAAAAAD/fwAA/38AAAAAAAAJAAAABAAAAAAAAAAMAAAAEAAAAAAAAAAAAAAAAAAAAAAAAAAeAAAAaAAAAAAAAAAAAAAAAAAAAAAAAAAAAAAAECcAABAnAAAAAAAAAAAAAAAAAAAAAAAAAAAAAAAAAAAAAAAAPAAAABQAAAAoAAAAHH0cAAAAAABkAAAAMgAAAAAAAABkAAAAAAAAAH9/fwAKAAAAHwAAAFQAAAC74OMF////AQAAAAAAAAAAAAAAAAAAAAAAAAAAAAAAAAAAAAAAAAAAHH0cAH9/fwCAgIADzMzMABx9HAB/f38AAAAAAAAAAAAAAAAAAAAAAAAAAAAhAAAAGAAAABQAAAAnCgAAUhMAAGwTAABEGwAAEAAAACYAAAAIAAAA//////////8="/>
               </a:ext>
             </a:extLst>
           </p:cNvSpPr>
@@ -9855,7 +9855,7 @@
           <p:cNvSpPr txBox="1">
             <a:extLst>
               <a:ext uri="smNativeData">
-                <pr:smNativeData xmlns:pr="smNativeData" val="SMDATA_13_BbpsXRMAAAAlAAAAEgAAAE8BAAAAkAAAAEgAAACQAAAASAAAAAAAAAAAAAAAAAAAAAEAAABQAAAAAAAAAAAA4D8AAAAAAADgPwAAAAAAAOA/AAAAAAAA4D8AAAAAAADgPwAAAAAAAOA/AAAAAAAA4D8AAAAAAADgPwAAAAAAAOA/AAAAAAAA4D8CAAAAjAAAAAAAAAAAAAAAu+DjDP///wgAAAAAAAAAAAAAAAAAAAAAAAAAAAAAAAAAAAAAZAAAAAEAAABAAAAAAAAAAAAAAAAAAAAAAAAAAAAAAAAAAAAAAAAAAAAAAAAAAAAAAAAAAAAAAAAAAAAAAAAAAAAAAAAAAAAAAAAAAAAAAAAAAAAAAAAAAAAAAAAAAAAAFAAAADwAAAAAAAAAAAAAAAAAAAkUAAAAAQAAABQAAAAUAAAAFAAAAAEAAAAAAAAAZAAAAGQAAAAAAAAAZAAAAGQAAAAVAAAAYAAAAAAAAAAAAAAADwAAACADAAAAAAAAAAAAAAEAAACgMgAAVgcAAKr4//8BAAAAf39/AAEAAABkAAAAAAAAABQAAABAHwAAAAAAACYAAAAAAAAAwOD//wAAAAAmAAAAZAAAABYAAABMAAAAAAAAAAAAAAAEAAAAAAAAAAEAAACAgIAKAAAAACgAAAAoAAAAZAAAAGQAAAAAAAAAzMzMAAAAAABQAAAAUAAAAGQAAABkAAAAAAAAABcAAAAUAAAAAAAAANwIAAD/fwAA/38AAAAAAAAJAAAABAAAAAAAAAAMAAAAEAAAAAAAAAAAAAAAAAAAAAAAAAAeAAAAaAAAAAAAAAAAAAAAAAAAAAAAAAAAAAAAECcAABAnAAAAAAAAAAAAAAAAAAAAAAAAAAAAAAAAAAAAAAAAAAAAABQAAAAAAAAAwMD/AAAAAABkAAAAMgAAAAAAAABkAAAAAAAAAH9/fwAKAAAAHwAAAFQAAAC74OMF////AQAAAAAAAAAAAAAAAAAAAAAAAAAAAAAAAAAAAAAAAAAAAAAAAn9/fwCAgIADzMzMAMDA/wB/f38AAAAAAAAAAAAAAAAAAAAAAAAAAAAhAAAAGAAAABQAAAADGgAA5woAAHUeAAB3DgAAECAAACYAAAAIAAAA//////////8="/>
+                <pr:smNativeData xmlns:pr="smNativeData" val="SMDATA_13_IrKAXRMAAAAlAAAAEgAAAE8BAAAAkAAAAEgAAACQAAAASAAAAAAAAAAAAAAAAAAAAAEAAABQAAAAAAAAAAAA4D8AAAAAAADgPwAAAAAAAOA/AAAAAAAA4D8AAAAAAADgPwAAAAAAAOA/AAAAAAAA4D8AAAAAAADgPwAAAAAAAOA/AAAAAAAA4D8CAAAAjAAAAAAAAAAAAAAAu+DjDP///wgAAAAAAAAAAAAAAAAAAAAAAAAAAAAAAAAAAAAAZAAAAAEAAABAAAAAAAAAAAAAAAAAAAAAAAAAAAAAAAAAAAAAAAAAAAAAAAAAAAAAAAAAAAAAAAAAAAAAAAAAAAAAAAAAAAAAAAAAAAAAAAAAAAAAAAAAAAAAAAAAAAAAFAAAADwAAAAAAAAAAAAAAAAAAAkUAAAAAQAAABQAAAAUAAAAFAAAAAEAAAAAAAAAZAAAAGQAAAAAAAAAZAAAAGQAAAAVAAAAYAAAAAAAAAAAAAAADwAAACADAAAAAAAAAAAAAAEAAACgMgAAVgcAAKr4//8BAAAAf39/AAEAAABkAAAAAAAAABQAAABAHwAAAAAAACYAAAAAAAAAwOD//wAAAAAmAAAAZAAAABYAAABMAAAAAAAAAAAAAAAEAAAAAAAAAAEAAACAgIAKAAAAACgAAAAoAAAAZAAAAGQAAAAAAAAAzMzMAAAAAABQAAAAUAAAAGQAAABkAAAAAAAAABcAAAAUAAAAAAAAANwIAAD/fwAA/38AAAAAAAAJAAAABAAAAAAAAAAMAAAAEAAAAAAAAAAAAAAAAAAAAAAAAAAeAAAAaAAAAAAAAAAAAAAAAAAAAAAAAAAAAAAAECcAABAnAAAAAAAAAAAAAAAAAAAAAAAAAAAAAAAAAAAAAAAAAAAAABQAAAAAAAAAwMD/AAAAAABkAAAAMgAAAAAAAABkAAAAAAAAAH9/fwAKAAAAHwAAAFQAAAC74OMF////AQAAAAAAAAAAAAAAAAAAAAAAAAAAAAAAAAAAAAAAAAAAAAAAAn9/fwCAgIADzMzMAMDA/wB/f38AAAAAAAAAAAAAAAAAAAAAAAAAAAAhAAAAGAAAABQAAAADGgAA5woAAHUeAAB3DgAAECAAACYAAAAIAAAA//////////8="/>
               </a:ext>
             </a:extLst>
           </p:cNvSpPr>
@@ -9918,7 +9918,7 @@
           <p:cNvSpPr txBox="1">
             <a:extLst>
               <a:ext uri="smNativeData">
-                <pr:smNativeData xmlns:pr="smNativeData" val="SMDATA_13_BbpsXRMAAAAlAAAAEgAAAE8BAAAAkAAAAEgAAACQAAAASAAAAAAAAAAAAAAAAAAAAAEAAABQAAAAAAAAAAAA4D8AAAAAAADgPwAAAAAAAOA/AAAAAAAA4D8AAAAAAADgPwAAAAAAAOA/AAAAAAAA4D8AAAAAAADgPwAAAAAAAOA/AAAAAAAA4D8CAAAAjAAAAAAAAAAAAAAAu+DjDP///wgAAAAAAAAAAAAAAAAAAAAAAAAAAAAAAAAAAAAAZAAAAAEAAABAAAAAAAAAAAAAAAAAAAAAAAAAAAAAAAAAAAAAAAAAAAAAAAAAAAAAAAAAAAAAAAAAAAAAAAAAAAAAAAAAAAAAAAAAAAAAAAAAAAAAAAAAAAAAAAAAAAAAFAAAADwAAAAAAAAAAAAAAAAAAAkUAAAAAQAAABQAAAAUAAAAFAAAAAEAAAAAAAAAZAAAAGQAAAAAAAAAZAAAAGQAAAAVAAAAYAAAAAAAAAAAAAAADwAAACADAAAAAAAAAAAAAAEAAACgMgAAVgcAAKr4//8BAAAAf39/AAEAAABkAAAAAAAAABQAAABAHwAAAAAAACYAAAAAAAAAwOD//wAAAAAmAAAAZAAAABYAAABMAAAAAAAAAAAAAAAEAAAAAAAAAAEAAACAgIAKAAAAACgAAAAoAAAAZAAAAGQAAAAAAAAAzMzMAAAAAABQAAAAUAAAAGQAAABkAAAAAAAAABcAAAAUAAAAAAAAANwIAAD/fwAA/38AAAAAAAAJAAAABAAAAAAAAAAMAAAAEAAAAAAAAAAAAAAAAAAAAAAAAAAeAAAAaAAAAAAAAAAAAAAAAAAAAAAAAAAAAAAAECcAABAnAAAAAAAAAAAAAAAAAAAAAAAAAAAAAAAAAAAAAAAAAAAAABQAAAAAAAAAwMD/AAAAAABkAAAAMgAAAAAAAABkAAAAAAAAAH9/fwAKAAAAHwAAAFQAAAC74OMF////AQAAAAAAAAAAAAAAAAAAAAAAAAAAAAAAAAAAAAAAAAAAAAAAAn9/fwCAgIADzMzMAMDA/wB/f38AAAAAAAAAAAAAAAAAAAAAAAAAAAAhAAAAGAAAABQAAAB6CwAADhUAABkSAADeFwAAECAAACYAAAAIAAAA//////////8="/>
+                <pr:smNativeData xmlns:pr="smNativeData" val="SMDATA_13_IrKAXRMAAAAlAAAAEgAAAE8BAAAAkAAAAEgAAACQAAAASAAAAAAAAAAAAAAAAAAAAAEAAABQAAAAAAAAAAAA4D8AAAAAAADgPwAAAAAAAOA/AAAAAAAA4D8AAAAAAADgPwAAAAAAAOA/AAAAAAAA4D8AAAAAAADgPwAAAAAAAOA/AAAAAAAA4D8CAAAAjAAAAAAAAAAAAAAAu+DjDP///wgAAAAAAAAAAAAAAAAAAAAAAAAAAAAAAAAAAAAAZAAAAAEAAABAAAAAAAAAAAAAAAAAAAAAAAAAAAAAAAAAAAAAAAAAAAAAAAAAAAAAAAAAAAAAAAAAAAAAAAAAAAAAAAAAAAAAAAAAAAAAAAAAAAAAAAAAAAAAAAAAAAAAFAAAADwAAAAAAAAAAAAAAAAAAAkUAAAAAQAAABQAAAAUAAAAFAAAAAEAAAAAAAAAZAAAAGQAAAAAAAAAZAAAAGQAAAAVAAAAYAAAAAAAAAAAAAAADwAAACADAAAAAAAAAAAAAAEAAACgMgAAVgcAAKr4//8BAAAAf39/AAEAAABkAAAAAAAAABQAAABAHwAAAAAAACYAAAAAAAAAwOD//wAAAAAmAAAAZAAAABYAAABMAAAAAAAAAAAAAAAEAAAAAAAAAAEAAACAgIAKAAAAACgAAAAoAAAAZAAAAGQAAAAAAAAAzMzMAAAAAABQAAAAUAAAAGQAAABkAAAAAAAAABcAAAAUAAAAAAAAANwIAAD/fwAA/38AAAAAAAAJAAAABAAAAAAAAAAMAAAAEAAAAAAAAAAAAAAAAAAAAAAAAAAeAAAAaAAAAAAAAAAAAAAAAAAAAAAAAAAAAAAAECcAABAnAAAAAAAAAAAAAAAAAAAAAAAAAAAAAAAAAAAAAAAAAAAAABQAAAAAAAAAwMD/AAAAAABkAAAAMgAAAAAAAABkAAAAAAAAAH9/fwAKAAAAHwAAAFQAAAC74OMF////AQAAAAAAAAAAAAAAAAAAAAAAAAAAAAAAAAAAAAAAAAAAAAAAAn9/fwCAgIADzMzMAMDA/wB/f38AAAAAAAAAAAAAAAAAAAAAAAAAAAAhAAAAGAAAABQAAAB6CwAADhUAABkSAADeFwAAECAAACYAAAAIAAAA//////////8="/>
               </a:ext>
             </a:extLst>
           </p:cNvSpPr>
@@ -9979,7 +9979,7 @@
           <p:cNvSpPr txBox="1">
             <a:extLst>
               <a:ext uri="smNativeData">
-                <pr:smNativeData xmlns:pr="smNativeData" val="SMDATA_13_BbpsXRMAAAAlAAAAEgAAAE8BAAAAkAAAAEgAAACQAAAASAAAAAAAAAAAAAAAAAAAAAEAAABQAAAAAAAAAAAA4D8AAAAAAADgPwAAAAAAAOA/AAAAAAAA4D8AAAAAAADgPwAAAAAAAOA/AAAAAAAA4D8AAAAAAADgPwAAAAAAAOA/AAAAAAAA4D8CAAAAjAAAAAAAAAAAAAAAu+DjDP///wgAAAAAAAAAAAAAAAAAAAAAAAAAAAAAAAAAAAAAZAAAAAEAAABAAAAAAAAAAAAAAAAAAAAAAAAAAAAAAAAAAAAAAAAAAAAAAAAAAAAAAAAAAAAAAAAAAAAAAAAAAAAAAAAAAAAAAAAAAAAAAAAAAAAAAAAAAAAAAAAAAAAAFAAAADwAAAAAAAAAAAAAAAAAAAkUAAAAAQAAABQAAAAUAAAAFAAAAAEAAAAAAAAAZAAAAGQAAAAAAAAAZAAAAGQAAAAVAAAAYAAAAAAAAAAAAAAADwAAACADAAAAAAAAAAAAAAEAAACgMgAAVgcAAKr4//8BAAAAf39/AAEAAABkAAAAAAAAABQAAABAHwAAAAAAACYAAAAAAAAAwOD//wAAAAAmAAAAZAAAABYAAABMAAAAAAAAAAAAAAAEAAAAAAAAAAEAAACAgIAKAAAAACgAAAAoAAAAZAAAAGQAAAAAAAAAzMzMAAAAAABQAAAAUAAAAGQAAABkAAAAAAAAABcAAAAUAAAAAAAAANwIAAD/fwAA/38AAAAAAAAJAAAABAAAAAIAAAAMAAAAEAAAAAAAAAAAAAAAAAAAAAAAAAAeAAAAaAAAAAAAAAAAAAAAAAAAAAAAAAAAAAAAECcAABAnAAAAAAAAAAAAAAAAAAAAAAAAAAAAAAAAAAAAAAAAAAAAABQAAAAAAAAAwMD/AAAAAABkAAAAMgAAAAAAAABkAAAAAAAAAH9/fwAKAAAAHwAAAFQAAAC74OMF////AQAAAAAAAAAAAAAAAAAAAAAAAAAAAAAAAAAAAAAAAAAAAAAAAn9/fwCAgIADzMzMAMDA/wB/f38AAAAAAAAAAAAAAAAAAAAAAAAAAAAhAAAAGAAAABQAAAB6CwAA+iQAABkSAACqJgAAECAAACYAAAAIAAAA//////////8="/>
+                <pr:smNativeData xmlns:pr="smNativeData" val="SMDATA_13_IrKAXRMAAAAlAAAAEgAAAE8BAAAAkAAAAEgAAACQAAAASAAAAAAAAAAAAAAAAAAAAAEAAABQAAAAAAAAAAAA4D8AAAAAAADgPwAAAAAAAOA/AAAAAAAA4D8AAAAAAADgPwAAAAAAAOA/AAAAAAAA4D8AAAAAAADgPwAAAAAAAOA/AAAAAAAA4D8CAAAAjAAAAAAAAAAAAAAAu+DjDP///wgAAAAAAAAAAAAAAAAAAAAAAAAAAAAAAAAAAAAAZAAAAAEAAABAAAAAAAAAAAAAAAAAAAAAAAAAAAAAAAAAAAAAAAAAAAAAAAAAAAAAAAAAAAAAAAAAAAAAAAAAAAAAAAAAAAAAAAAAAAAAAAAAAAAAAAAAAAAAAAAAAAAAFAAAADwAAAAAAAAAAAAAAAAAAAkUAAAAAQAAABQAAAAUAAAAFAAAAAEAAAAAAAAAZAAAAGQAAAAAAAAAZAAAAGQAAAAVAAAAYAAAAAAAAAAAAAAADwAAACADAAAAAAAAAAAAAAEAAACgMgAAVgcAAKr4//8BAAAAf39/AAEAAABkAAAAAAAAABQAAABAHwAAAAAAACYAAAAAAAAAwOD//wAAAAAmAAAAZAAAABYAAABMAAAAAAAAAAAAAAAEAAAAAAAAAAEAAACAgIAKAAAAACgAAAAoAAAAZAAAAGQAAAAAAAAAzMzMAAAAAABQAAAAUAAAAGQAAABkAAAAAAAAABcAAAAUAAAAAAAAANwIAAD/fwAA/38AAAAAAAAJAAAABAAAAAIAAAAMAAAAEAAAAAAAAAAAAAAAAAAAAAAAAAAeAAAAaAAAAAAAAAAAAAAAAAAAAAAAAAAAAAAAECcAABAnAAAAAAAAAAAAAAAAAAAAAAAAAAAAAAAAAAAAAAAAAAAAABQAAAAAAAAAwMD/AAAAAABkAAAAMgAAAAAAAABkAAAAAAAAAH9/fwAKAAAAHwAAAFQAAAC74OMF////AQAAAAAAAAAAAAAAAAAAAAAAAAAAAAAAAAAAAAAAAAAAAAAAAn9/fwCAgIADzMzMAMDA/wB/f38AAAAAAAAAAAAAAAAAAAAAAAAAAAAhAAAAGAAAABQAAAB6CwAA+iQAABkSAACqJgAAECAAACYAAAAIAAAA//////////8="/>
               </a:ext>
             </a:extLst>
           </p:cNvSpPr>
@@ -10025,7 +10025,7 @@
           <p:cNvSpPr txBox="1">
             <a:extLst>
               <a:ext uri="smNativeData">
-                <pr:smNativeData xmlns:pr="smNativeData" val="SMDATA_13_BbpsXRMAAAAlAAAAEgAAAE8BAAAAkAAAAEgAAACQAAAASAAAAAAAAAAAAAAAAAAAAAEAAABQAAAAAAAAAAAA4D8AAAAAAADgPwAAAAAAAOA/AAAAAAAA4D8AAAAAAADgPwAAAAAAAOA/AAAAAAAA4D8AAAAAAADgPwAAAAAAAOA/AAAAAAAA4D8CAAAAjAAAAAAAAAAAAAAAu+DjDP///wgAAAAAAAAAAAAAAAAAAAAAAAAAAAAAAAAAAAAAZAAAAAEAAABAAAAAAAAAAAAAAAAAAAAAAAAAAAAAAAAAAAAAAAAAAAAAAAAAAAAAAAAAAAAAAAAAAAAAAAAAAAAAAAAAAAAAAAAAAAAAAAAAAAAAAAAAAAAAAAAAAAAAFAAAADwAAAAAAAAAAAAAAAAAAAkUAAAAAQAAABQAAAAUAAAAFAAAAAEAAAAAAAAAZAAAAGQAAAAAAAAAZAAAAGQAAAAVAAAAYAAAAAAAAAAAAAAADwAAACADAAAAAAAAAAAAAAEAAACgMgAAVgcAAKr4//8BAAAAf39/AAEAAABkAAAAAAAAABQAAABAHwAAAAAAACYAAAAAAAAAwOD//wAAAAAmAAAAZAAAABYAAABMAAAAAAAAAAAAAAAEAAAAAAAAAAEAAACAgIAKAAAAACgAAAAoAAAAZAAAAGQAAAAAAAAAzMzMAAAAAABQAAAAUAAAAGQAAABkAAAAAAAAABcAAAAUAAAAAAAAANwIAAD/fwAA/38AAAAAAAAJAAAABAAAAAIAAAAMAAAAEAAAAAAAAAAAAAAAAAAAAAAAAAAeAAAAaAAAAAAAAAAAAAAAAAAAAAAAAAAAAAAAECcAABAnAAAAAAAAAAAAAAAAAAAAAAAAAAAAAAAAAAAAAAAAAAAAABQAAAAAAAAAwMD/AAAAAABkAAAAMgAAAAAAAABkAAAAAAAAAH9/fwAKAAAAHwAAAFQAAAC74OMF////AQAAAAAAAAAAAAAAAAAAAAAAAAAAAAAAAAAAAAAAAAAAAAAAAn9/fwCAgIADzMzMAMDA/wB/f38AAAAAAAAAAAAAAAAAAAAAAAAAAAAhAAAAGAAAABQAAAD9IQAAkgsAAJwoAABCDQAAECAAACYAAAAIAAAA//////////8="/>
+                <pr:smNativeData xmlns:pr="smNativeData" val="SMDATA_13_IrKAXRMAAAAlAAAAEgAAAE8BAAAAkAAAAEgAAACQAAAASAAAAAAAAAAAAAAAAAAAAAEAAABQAAAAAAAAAAAA4D8AAAAAAADgPwAAAAAAAOA/AAAAAAAA4D8AAAAAAADgPwAAAAAAAOA/AAAAAAAA4D8AAAAAAADgPwAAAAAAAOA/AAAAAAAA4D8CAAAAjAAAAAAAAAAAAAAAu+DjDP///wgAAAAAAAAAAAAAAAAAAAAAAAAAAAAAAAAAAAAAZAAAAAEAAABAAAAAAAAAAAAAAAAAAAAAAAAAAAAAAAAAAAAAAAAAAAAAAAAAAAAAAAAAAAAAAAAAAAAAAAAAAAAAAAAAAAAAAAAAAAAAAAAAAAAAAAAAAAAAAAAAAAAAFAAAADwAAAAAAAAAAAAAAAAAAAkUAAAAAQAAABQAAAAUAAAAFAAAAAEAAAAAAAAAZAAAAGQAAAAAAAAAZAAAAGQAAAAVAAAAYAAAAAAAAAAAAAAADwAAACADAAAAAAAAAAAAAAEAAACgMgAAVgcAAKr4//8BAAAAf39/AAEAAABkAAAAAAAAABQAAABAHwAAAAAAACYAAAAAAAAAwOD//wAAAAAmAAAAZAAAABYAAABMAAAAAAAAAAAAAAAEAAAAAAAAAAEAAACAgIAKAAAAACgAAAAoAAAAZAAAAGQAAAAAAAAAzMzMAAAAAABQAAAAUAAAAGQAAABkAAAAAAAAABcAAAAUAAAAAAAAANwIAAD/fwAA/38AAAAAAAAJAAAABAAAAAIAAAAMAAAAEAAAAAAAAAAAAAAAAAAAAAAAAAAeAAAAaAAAAAAAAAAAAAAAAAAAAAAAAAAAAAAAECcAABAnAAAAAAAAAAAAAAAAAAAAAAAAAAAAAAAAAAAAAAAAAAAAABQAAAAAAAAAwMD/AAAAAABkAAAAMgAAAAAAAABkAAAAAAAAAH9/fwAKAAAAHwAAAFQAAAC74OMF////AQAAAAAAAAAAAAAAAAAAAAAAAAAAAAAAAAAAAAAAAAAAAAAAAn9/fwCAgIADzMzMAMDA/wB/f38AAAAAAAAAAAAAAAAAAAAAAAAAAAAhAAAAGAAAABQAAAD9IQAAkgsAAJwoAABCDQAAECAAACYAAAAIAAAA//////////8="/>
               </a:ext>
             </a:extLst>
           </p:cNvSpPr>
@@ -10071,7 +10071,7 @@
           <p:cNvSpPr txBox="1">
             <a:extLst>
               <a:ext uri="smNativeData">
-                <pr:smNativeData xmlns:pr="smNativeData" val="SMDATA_13_BbpsXRMAAAAlAAAAEgAAAE8BAAAAkAAAAEgAAACQAAAASAAAAAAAAAAAAAAAAAAAAAEAAABQAAAAAAAAAAAA4D8AAAAAAADgPwAAAAAAAOA/AAAAAAAA4D8AAAAAAADgPwAAAAAAAOA/AAAAAAAA4D8AAAAAAADgPwAAAAAAAOA/AAAAAAAA4D8CAAAAjAAAAAAAAAAAAAAAu+DjDP///wgAAAAAAAAAAAAAAAAAAAAAAAAAAAAAAAAAAAAAZAAAAAEAAABAAAAAAAAAAAAAAAAAAAAAAAAAAAAAAAAAAAAAAAAAAAAAAAAAAAAAAAAAAAAAAAAAAAAAAAAAAAAAAAAAAAAAAAAAAAAAAAAAAAAAAAAAAAAAAAAAAAAAFAAAADwAAAAAAAAAAAAAAAAAAAkUAAAAAQAAABQAAAAUAAAAFAAAAAEAAAAAAAAAZAAAAGQAAAAAAAAAZAAAAGQAAAAVAAAAYAAAAAAAAAAAAAAADwAAACADAAAAAAAAAAAAAAEAAACgMgAAVgcAAKr4//8BAAAAf39/AAEAAABkAAAAAAAAABQAAABAHwAAAAAAACYAAAAAAAAAwOD//wAAAAAmAAAAZAAAABYAAABMAAAAAAAAAAAAAAAEAAAAAAAAAAEAAACAgIAKAAAAACgAAAAoAAAAZAAAAGQAAAAAAAAAzMzMAAAAAABQAAAAUAAAAGQAAABkAAAAAAAAABcAAAAUAAAAAAAAANwIAAD/fwAA/38AAAAAAAAJAAAABAAAAAAAAAAMAAAAEAAAAAAAAAAAAAAAAAAAAAAAAAAeAAAAaAAAAAAAAAAAAAAAAAAAAAAAAAAAAAAAECcAABAnAAAAAAAAAAAAAAAAAAAAAAAAAAAAAAAAAAAAAAAAAAAAABQAAAAAAAAAwMD/AAAAAABkAAAAMgAAAAAAAABkAAAAAAAAAH9/fwAKAAAAHwAAAFQAAAC74OMF////AQAAAAAAAAAAAAAAAAAAAAAAAAAAAAAAAAAAAAAAAAAAAAAAAn9/fwCAgIADzMzMAMDA/wB/f38AAAAAAAAAAAAAAAAAAAAAAAAAAAAhAAAAGAAAABQAAAD7EgAAyg8AAJoZAADaEQAAECAAACYAAAAIAAAA//////////8="/>
+                <pr:smNativeData xmlns:pr="smNativeData" val="SMDATA_13_IrKAXRMAAAAlAAAAEgAAAE8BAAAAkAAAAEgAAACQAAAASAAAAAAAAAAAAAAAAAAAAAEAAABQAAAAAAAAAAAA4D8AAAAAAADgPwAAAAAAAOA/AAAAAAAA4D8AAAAAAADgPwAAAAAAAOA/AAAAAAAA4D8AAAAAAADgPwAAAAAAAOA/AAAAAAAA4D8CAAAAjAAAAAAAAAAAAAAAu+DjDP///wgAAAAAAAAAAAAAAAAAAAAAAAAAAAAAAAAAAAAAZAAAAAEAAABAAAAAAAAAAAAAAAAAAAAAAAAAAAAAAAAAAAAAAAAAAAAAAAAAAAAAAAAAAAAAAAAAAAAAAAAAAAAAAAAAAAAAAAAAAAAAAAAAAAAAAAAAAAAAAAAAAAAAFAAAADwAAAAAAAAAAAAAAAAAAAkUAAAAAQAAABQAAAAUAAAAFAAAAAEAAAAAAAAAZAAAAGQAAAAAAAAAZAAAAGQAAAAVAAAAYAAAAAAAAAAAAAAADwAAACADAAAAAAAAAAAAAAEAAACgMgAAVgcAAKr4//8BAAAAf39/AAEAAABkAAAAAAAAABQAAABAHwAAAAAAACYAAAAAAAAAwOD//wAAAAAmAAAAZAAAABYAAABMAAAAAAAAAAAAAAAEAAAAAAAAAAEAAACAgIAKAAAAACgAAAAoAAAAZAAAAGQAAAAAAAAAzMzMAAAAAABQAAAAUAAAAGQAAABkAAAAAAAAABcAAAAUAAAAAAAAANwIAAD/fwAA/38AAAAAAAAJAAAABAAAAAAAAAAMAAAAEAAAAAAAAAAAAAAAAAAAAAAAAAAeAAAAaAAAAAAAAAAAAAAAAAAAAAAAAAAAAAAAECcAABAnAAAAAAAAAAAAAAAAAAAAAAAAAAAAAAAAAAAAAAAAAAAAABQAAAAAAAAAwMD/AAAAAABkAAAAMgAAAAAAAABkAAAAAAAAAH9/fwAKAAAAHwAAAFQAAAC74OMF////AQAAAAAAAAAAAAAAAAAAAAAAAAAAAAAAAAAAAAAAAAAAAAAAAn9/fwCAgIADzMzMAMDA/wB/f38AAAAAAAAAAAAAAAAAAAAAAAAAAAAhAAAAGAAAABQAAAD7EgAAyg8AAJoZAADaEQAAECAAACYAAAAIAAAA//////////8="/>
               </a:ext>
             </a:extLst>
           </p:cNvSpPr>
@@ -10117,7 +10117,7 @@
           <p:cNvSpPr txBox="1">
             <a:extLst>
               <a:ext uri="smNativeData">
-                <pr:smNativeData xmlns:pr="smNativeData" val="SMDATA_13_BbpsXRMAAAAlAAAAEgAAAE8BAAAAkAAAAEgAAACQAAAASAAAAAAAAAAAAAAAAAAAAAEAAABQAAAAAAAAAAAA4D8AAAAAAADgPwAAAAAAAOA/AAAAAAAA4D8AAAAAAADgPwAAAAAAAOA/AAAAAAAA4D8AAAAAAADgPwAAAAAAAOA/AAAAAAAA4D8CAAAAjAAAAAAAAAAAAAAAu+DjDP///wgAAAAAAAAAAAAAAAAAAAAAAAAAAAAAAAAAAAAAZAAAAAEAAABAAAAAAAAAAAAAAAAAAAAAAAAAAAAAAAAAAAAAAAAAAAAAAAAAAAAAAAAAAAAAAAAAAAAAAAAAAAAAAAAAAAAAAAAAAAAAAAAAAAAAAAAAAAAAAAAAAAAAFAAAADwAAAAAAAAAAAAAAAAAAAkUAAAAAQAAABQAAAAUAAAAFAAAAAEAAAAAAAAAZAAAAGQAAAAAAAAAZAAAAGQAAAAVAAAAYAAAAAAAAAAAAAAADwAAACADAAAAAAAAAAAAAAEAAACgMgAAVgcAAKr4//8BAAAAf39/AAEAAABkAAAAAAAAABQAAABAHwAAAAAAACYAAAAAAAAAwOD//wAAAAAmAAAAZAAAABYAAABMAAAAAAAAAAAAAAAEAAAAAAAAAAEAAACAgIAKAAAAACgAAAAoAAAAZAAAAGQAAAAAAAAAzMzMAAAAAABQAAAAUAAAAGQAAABkAAAAAAAAABcAAAAUAAAAAAAAANwIAAD/fwAA/38AAAAAAAAJAAAABAAAAAAAAAAMAAAAEAAAAAAAAAAAAAAAAAAAAAAAAAAeAAAAaAAAAAAAAAAAAAAAAAAAAAAAAAAAAAAAECcAABAnAAAAAAAAAAAAAAAAAAAAAAAAAAAAAAAAAAAAAAAAAAAAABQAAAAAAAAAwMD/AAAAAABkAAAAMgAAAAAAAABkAAAAAAAAAH9/fwAKAAAAHwAAAFQAAAC74OMF////AQAAAAAAAAAAAAAAAAAAAAAAAAAAAAAAAAAAAAAAAAAAAAAAAn9/fwCAgIADzMzMAMDA/wB/f38AAAAAAAAAAAAAAAAAAAAAAAAAAAAhAAAAGAAAABQAAADqGAAA0RAAAIkfAADhEgAAECAAACYAAAAIAAAA//////////8="/>
+                <pr:smNativeData xmlns:pr="smNativeData" val="SMDATA_13_IrKAXRMAAAAlAAAAEgAAAE8BAAAAkAAAAEgAAACQAAAASAAAAAAAAAAAAAAAAAAAAAEAAABQAAAAAAAAAAAA4D8AAAAAAADgPwAAAAAAAOA/AAAAAAAA4D8AAAAAAADgPwAAAAAAAOA/AAAAAAAA4D8AAAAAAADgPwAAAAAAAOA/AAAAAAAA4D8CAAAAjAAAAAAAAAAAAAAAu+DjDP///wgAAAAAAAAAAAAAAAAAAAAAAAAAAAAAAAAAAAAAZAAAAAEAAABAAAAAAAAAAAAAAAAAAAAAAAAAAAAAAAAAAAAAAAAAAAAAAAAAAAAAAAAAAAAAAAAAAAAAAAAAAAAAAAAAAAAAAAAAAAAAAAAAAAAAAAAAAAAAAAAAAAAAFAAAADwAAAAAAAAAAAAAAAAAAAkUAAAAAQAAABQAAAAUAAAAFAAAAAEAAAAAAAAAZAAAAGQAAAAAAAAAZAAAAGQAAAAVAAAAYAAAAAAAAAAAAAAADwAAACADAAAAAAAAAAAAAAEAAACgMgAAVgcAAKr4//8BAAAAf39/AAEAAABkAAAAAAAAABQAAABAHwAAAAAAACYAAAAAAAAAwOD//wAAAAAmAAAAZAAAABYAAABMAAAAAAAAAAAAAAAEAAAAAAAAAAEAAACAgIAKAAAAACgAAAAoAAAAZAAAAGQAAAAAAAAAzMzMAAAAAABQAAAAUAAAAGQAAABkAAAAAAAAABcAAAAUAAAAAAAAANwIAAD/fwAA/38AAAAAAAAJAAAABAAAAAAAAAAMAAAAEAAAAAAAAAAAAAAAAAAAAAAAAAAeAAAAaAAAAAAAAAAAAAAAAAAAAAAAAAAAAAAAECcAABAnAAAAAAAAAAAAAAAAAAAAAAAAAAAAAAAAAAAAAAAAAAAAABQAAAAAAAAAwMD/AAAAAABkAAAAMgAAAAAAAABkAAAAAAAAAH9/fwAKAAAAHwAAAFQAAAC74OMF////AQAAAAAAAAAAAAAAAAAAAAAAAAAAAAAAAAAAAAAAAAAAAAAAAn9/fwCAgIADzMzMAMDA/wB/f38AAAAAAAAAAAAAAAAAAAAAAAAAAAAhAAAAGAAAABQAAADqGAAA0RAAAIkfAADhEgAAECAAACYAAAAIAAAA//////////8="/>
               </a:ext>
             </a:extLst>
           </p:cNvSpPr>
@@ -10163,7 +10163,7 @@
           <p:cNvSpPr>
             <a:extLst>
               <a:ext uri="smNativeData">
-                <pr:smNativeData xmlns:pr="smNativeData" val="SMDATA_13_BbpsXRMAAAAlAAAAZAAAAA8BAAAAkAAAAEgAAACQAAAASAAAAAAAAAAAAAAAAAAAAAEAAABQAAAAAAAAAAAA4D8AAAAAAADgPwAAAAAAAOA/AAAAAAAA4D8AAAAAAADgPwAAAAAAAOA/AAAAAAAA4D8AAAAAAADgPwAAAAAAAOA/AAAAAAAA4D8CAAAAjAAAAAEAAAAAAAAAHh4eAP///wgAAAAAAAAAAAAAAAAAAAAAAAAAAAAAAAAAAAAAZAAAAAEAAABAAAAAAAAAAAAAAAAAAAAAAAAAAAAAAAAAAAAAAAAAAAAAAAAAAAAAAAAAAAAAAAAAAAAAAAAAAAAAAAAAAAAAAAAAAAAAAAAAAAAAAAAAAAAAAAAAAAAAFAAAADwAAAAAAAAAAAAAAAAAAAkAAAAAAQAAAAAAAAAAAAAAAAAAAAAAAAAAAAAAZAAAAGQAAAAAAAAAZAAAAGQAAAAVAAAAYAAAAAAAAAAAAAAADwAAACADAAAAAAAAAAAAAAEAAACgMgAAAAAAAAAAAAABAAAAf39/AAEAAABkAAAAAAAAABQAAABAHwAAAAAAACYAAAAAAAAAwOD//wAAAAAmAAAAZAAAABYAAABMAAAAAAAAAAAAAAAEAAAAAAAAAAEAAACAgIAKAAAAACgAAAAoAAAAZAAAAGQAAAAAAAAAzMzMAAAAAABQAAAAUAAAAGQAAABkAAAAAAAAABcAAAAUAAAAAAAAAAAAAAD/fwAA/38AAAAAAAAJAAAABAAAAHlsZT4MAAAAEAAAAAAAAAAAAAAAAAAAAAAAAAAeAAAAaAAAAAAAAAAAAAAAAAAAAAAAAAAAAAAAECcAABAnAAAAAAAAAAAAAAAAAAAAAAAAAAAAAAAAAAAAAAAAAAAAABQAAAAAAAAAwMD/AAAAAABkAAAAMgAAAAAAAABkAAAAAAAAAH9/fwAKAAAAHwAAAFQAAAAeHh4A////AQAAAAAAAAAAAAAAAAAAAAAAAAAAAAAAAAAAAAAAAAAAAAAAAn9/fwCAgIADzMzMAMDA/wB/f38AAAAAAAAAAAAAAAAAAAAAAAAAAAAhAAAAGAAAABQAAAAAAAAAZQcAAEA4AAC4CAAAEAAAACYAAAAIAAAA//////////8="/>
+                <pr:smNativeData xmlns:pr="smNativeData" val="SMDATA_13_IrKAXRMAAAAlAAAAZAAAAA8BAAAAkAAAAEgAAACQAAAASAAAAAAAAAAAAAAAAAAAAAEAAABQAAAAAAAAAAAA4D8AAAAAAADgPwAAAAAAAOA/AAAAAAAA4D8AAAAAAADgPwAAAAAAAOA/AAAAAAAA4D8AAAAAAADgPwAAAAAAAOA/AAAAAAAA4D8CAAAAjAAAAAEAAAAAAAAAHh4eAP///wgAAAAAAAAAAAAAAAAAAAAAAAAAAAAAAAAAAAAAZAAAAAEAAABAAAAAAAAAAAAAAAAAAAAAAAAAAAAAAAAAAAAAAAAAAAAAAAAAAAAAAAAAAAAAAAAAAAAAAAAAAAAAAAAAAAAAAAAAAAAAAAAAAAAAAAAAAAAAAAAAAAAAFAAAADwAAAAAAAAAAAAAAAAAAAkAAAAAAQAAAAAAAAAAAAAAAAAAAAAAAAAAAAAAZAAAAGQAAAAAAAAAZAAAAGQAAAAVAAAAYAAAAAAAAAAAAAAADwAAACADAAAAAAAAAAAAAAEAAACgMgAAAAAAAAAAAAABAAAAf39/AAEAAABkAAAAAAAAABQAAABAHwAAAAAAACYAAAAAAAAAwOD//wAAAAAmAAAAZAAAABYAAABMAAAAAAAAAAAAAAAEAAAAAAAAAAEAAACAgIAKAAAAACgAAAAoAAAAZAAAAGQAAAAAAAAAzMzMAAAAAABQAAAAUAAAAGQAAABkAAAAAAAAABcAAAAUAAAAAAAAAAAAAAD/fwAA/38AAAAAAAAJAAAABAAAAHlsZT4MAAAAEAAAAAAAAAAAAAAAAAAAAAAAAAAeAAAAaAAAAAAAAAAAAAAAAAAAAAAAAAAAAAAAECcAABAnAAAAAAAAAAAAAAAAAAAAAAAAAAAAAAAAAAAAAAAAAAAAABQAAAAAAAAAwMD/AAAAAABkAAAAMgAAAAAAAABkAAAAAAAAAH9/fwAKAAAAHwAAAFQAAAAeHh4A////AQAAAAAAAAAAAAAAAAAAAAAAAAAAAAAAAAAAAAAAAAAAAAAAAn9/fwCAgIADzMzMAMDA/wB/f38AAAAAAAAAAAAAAAAAAAAAAAAAAAAhAAAAGAAAABQAAAAAAAAAZQcAAEA4AAC4CAAAEAAAACYAAAAIAAAA//////////8="/>
               </a:ext>
             </a:extLst>
           </p:cNvSpPr>
@@ -10232,7 +10232,7 @@
           <p:cNvSpPr>
             <a:extLst>
               <a:ext uri="smNativeData">
-                <pr:smNativeData xmlns:pr="smNativeData" val="SMDATA_13_BbpsXRMAAAAlAAAAZAAAAA8BAAAAkAAAAEgAAACQAAAASAAAAAAAAAABAAAAAAAAAAEAAABQAAAAAAAAAAAA4D8AAAAAAADgPwAAAAAAAOA/AAAAAAAA4D8AAAAAAADgPwAAAAAAAOA/AAAAAAAA4D8AAAAAAADgPwAAAAAAAOA/AAAAAAAA4D8CAAAAjAAAAAAAAAAAAAAAu+DjDP///wgAAAAAAAAAAAAAAAAAAAAAAAAAAAAAAAAAAAAAZAAAAAEAAABAAAAAAAAAAAAAAAAAAAAAAAAAAAAAAAAAAAAAAAAAAAAAAAAAAAAAAAAAAAAAAAAAAAAAAAAAAAAAAAAAAAAAAAAAAAAAAAAAAAAAAAAAAAAAAAAAAAAAFAAAADwAAAAAAAAAAAAAAAAAAAkUAAAAAQAAABQAAAAUAAAAFAAAAAEAAAAAAAAAZAAAAGQAAAAAAAAAZAAAAGQAAAAVAAAAYAAAAAAAAAAAAAAADwAAACADAAAAAAAAAAAAAAEAAACgMgAAVgcAAKr4//8BAAAAf39/AAEAAABkAAAAAAAAABQAAABAHwAAAAAAACYAAAAAAAAAwOD//wAAAAAmAAAAZAAAABYAAABMAAAAAAAAAAAAAAAEAAAAAAAAAAEAAACAgIAKAAAAACgAAAAoAAAAZAAAAGQAAAAAAAAAzMzMAAAAAABQAAAAUAAAAGQAAABkAAAAAAAAABcAAAAUAAAAAAAAAAAAAAD/fwAA/38AAAAAAAAJAAAABAAAALsLAAAMAAAAEAAAAAAAAAAAAAAAAAAAAAAAAAAeAAAAaAAAAAAAAAAAAAAAAAAAAAAAAAAAAAAAECcAABAnAAAAAAAAAAAAAAAAAAAAAAAAAAAAAAAAAAAAAAAAAAAAABQAAAAAAAAAwMD/AAAAAABkAAAAMgAAAAAAAABkAAAAAAAAAH9/fwAKAAAAHwAAAFQAAAC74OMF////AQAAAAAAAAAAAAAAAAAAAAAAAAAAAAAAAAAAAAAAAAAAAAAAAn9/fwCAgIADzMzMAMDA/wB/f38AAAAAAAAAAAAAAAAAAAAAAAAAAAAhAAAAGAAAABQAAABqBAAAiAMAABY0AAAoBwAAEAAAACYAAAAIAAAA//////////8="/>
+                <pr:smNativeData xmlns:pr="smNativeData" val="SMDATA_13_IrKAXRMAAAAlAAAAZAAAAA8BAAAAkAAAAEgAAACQAAAASAAAAAAAAAABAAAAAAAAAAEAAABQAAAAAAAAAAAA4D8AAAAAAADgPwAAAAAAAOA/AAAAAAAA4D8AAAAAAADgPwAAAAAAAOA/AAAAAAAA4D8AAAAAAADgPwAAAAAAAOA/AAAAAAAA4D8CAAAAjAAAAAAAAAAAAAAAu+DjDP///wgAAAAAAAAAAAAAAAAAAAAAAAAAAAAAAAAAAAAAZAAAAAEAAABAAAAAAAAAAAAAAAAAAAAAAAAAAAAAAAAAAAAAAAAAAAAAAAAAAAAAAAAAAAAAAAAAAAAAAAAAAAAAAAAAAAAAAAAAAAAAAAAAAAAAAAAAAAAAAAAAAAAAFAAAADwAAAAAAAAAAAAAAAAAAAkUAAAAAQAAABQAAAAUAAAAFAAAAAEAAAAAAAAAZAAAAGQAAAAAAAAAZAAAAGQAAAAVAAAAYAAAAAAAAAAAAAAADwAAACADAAAAAAAAAAAAAAEAAACgMgAAVgcAAKr4//8BAAAAf39/AAEAAABkAAAAAAAAABQAAABAHwAAAAAAACYAAAAAAAAAwOD//wAAAAAmAAAAZAAAABYAAABMAAAAAAAAAAAAAAAEAAAAAAAAAAEAAACAgIAKAAAAACgAAAAoAAAAZAAAAGQAAAAAAAAAzMzMAAAAAABQAAAAUAAAAGQAAABkAAAAAAAAABcAAAAUAAAAAAAAAAAAAAD/fwAA/38AAAAAAAAJAAAABAAAALsLAAAMAAAAEAAAAAAAAAAAAAAAAAAAAAAAAAAeAAAAaAAAAAAAAAAAAAAAAAAAAAAAAAAAAAAAECcAABAnAAAAAAAAAAAAAAAAAAAAAAAAAAAAAAAAAAAAAAAAAAAAABQAAAAAAAAAwMD/AAAAAABkAAAAMgAAAAAAAABkAAAAAAAAAH9/fwAKAAAAHwAAAFQAAAC74OMF////AQAAAAAAAAAAAAAAAAAAAAAAAAAAAAAAAAAAAAAAAAAAAAAAAn9/fwCAgIADzMzMAMDA/wB/f38AAAAAAAAAAAAAAAAAAAAAAAAAAAAhAAAAGAAAABQAAABqBAAAiAMAABY0AAAoBwAAEAAAACYAAAAIAAAA//////////8="/>
               </a:ext>
             </a:extLst>
           </p:cNvSpPr>
@@ -10278,7 +10278,7 @@
           <p:cNvSpPr txBox="1">
             <a:extLst>
               <a:ext uri="smNativeData">
-                <pr:smNativeData xmlns:pr="smNativeData" val="SMDATA_13_BbpsXRMAAAAlAAAAEgAAAA8BAAAAkAAAAEgAAACQAAAASAAAAAAAAAAAAAAAAAAAAAEAAABQAAAAAAAAAAAA4D8AAAAAAADgPwAAAAAAAOA/AAAAAAAA4D8AAAAAAADgPwAAAAAAAOA/AAAAAAAA4D8AAAAAAADgPwAAAAAAAOA/AAAAAAAA4D8CAAAAjAAAAAAAAAAAAAAAu+DjDP///wgAAAAAAAAAAAAAAAAAAAAAAAAAAAAAAAAAAAAAZAAAAAEAAABAAAAAAAAAAAAAAAAAAAAAAAAAAAAAAAAAAAAAAAAAAAAAAAAAAAAAAAAAAAAAAAAAAAAAAAAAAAAAAAAAAAAAAAAAAAAAAAAAAAAAAAAAAAAAAAAAAAAAFAAAADwAAAAAAAAAAAAAAAAAAAkUAAAAAQAAABQAAAAUAAAAFAAAAAEAAAAAAAAAZAAAAGQAAAAAAAAAZAAAAGQAAAAVAAAAYAAAAAAAAAAAAAAADwAAACADAAAAAAAAAAAAAAEAAACgMgAAVgcAAKr4//8BAAAAf39/AAEAAABkAAAAAAAAABQAAABAHwAAAAAAACYAAAAAAAAAwOD//wAAAAAmAAAAZAAAABYAAABMAAAAAAAAAAAAAAAEAAAAAAAAAAEAAACAgIAKAAAAACgAAAAoAAAAZAAAAGQAAAAAAAAAzMzMAAAAAABQAAAAUAAAAGQAAABkAAAAAAAAABcAAAAUAAAAAAAAANwIAAD/fwAA/38AAAAAAAAJAAAABAAAAGYSAAAMAAAAEAAAAAAAAAAAAAAAAAAAAAAAAAAeAAAAaAAAAAAAAAAAAAAAAAAAAAAAAAAAAAAAECcAABAnAAAAAAAAAAAAAAAAAAAAAAAAAAAAAAAAAAAAAAAAAAAAABQAAAAAAAAAwMD/AAAAAABkAAAAMgAAAAAAAABkAAAAAAAAAH9/fwAKAAAAHwAAAFQAAAC74OMF////AQAAAAAAAAAAAAAAAAAAAAAAAAAAAAAAAAAAAAAAAAAAAAAAAn9/fwCAgIADzMzMAMDA/wB/f38AAAAAAAAAAAAAAAAAAAAAAAAAAAAhAAAAGAAAABQAAABqBAAA4QgAABY0AADBIwAAEAAAACYAAAAIAAAA//////////8="/>
+                <pr:smNativeData xmlns:pr="smNativeData" val="SMDATA_13_IrKAXRMAAAAlAAAAEgAAAA8BAAAAkAAAAEgAAACQAAAASAAAAAAAAAAAAAAAAAAAAAEAAABQAAAAAAAAAAAA4D8AAAAAAADgPwAAAAAAAOA/AAAAAAAA4D8AAAAAAADgPwAAAAAAAOA/AAAAAAAA4D8AAAAAAADgPwAAAAAAAOA/AAAAAAAA4D8CAAAAjAAAAAAAAAAAAAAAu+DjDP///wgAAAAAAAAAAAAAAAAAAAAAAAAAAAAAAAAAAAAAZAAAAAEAAABAAAAAAAAAAAAAAAAAAAAAAAAAAAAAAAAAAAAAAAAAAAAAAAAAAAAAAAAAAAAAAAAAAAAAAAAAAAAAAAAAAAAAAAAAAAAAAAAAAAAAAAAAAAAAAAAAAAAAFAAAADwAAAAAAAAAAAAAAAAAAAkUAAAAAQAAABQAAAAUAAAAFAAAAAEAAAAAAAAAZAAAAGQAAAAAAAAAZAAAAGQAAAAVAAAAYAAAAAAAAAAAAAAADwAAACADAAAAAAAAAAAAAAEAAACgMgAAVgcAAKr4//8BAAAAf39/AAEAAABkAAAAAAAAABQAAABAHwAAAAAAACYAAAAAAAAAwOD//wAAAAAmAAAAZAAAABYAAABMAAAAAAAAAAAAAAAEAAAAAAAAAAEAAACAgIAKAAAAACgAAAAoAAAAZAAAAGQAAAAAAAAAzMzMAAAAAABQAAAAUAAAAGQAAABkAAAAAAAAABcAAAAUAAAAAAAAANwIAAD/fwAA/38AAAAAAAAJAAAABAAAAGYSAAAMAAAAEAAAAAAAAAAAAAAAAAAAAAAAAAAeAAAAaAAAAAAAAAAAAAAAAAAAAAAAAAAAAAAAECcAABAnAAAAAAAAAAAAAAAAAAAAAAAAAAAAAAAAAAAAAAAAAAAAABQAAAAAAAAAwMD/AAAAAABkAAAAMgAAAAAAAABkAAAAAAAAAH9/fwAKAAAAHwAAAFQAAAC74OMF////AQAAAAAAAAAAAAAAAAAAAAAAAAAAAAAAAAAAAAAAAAAAAAAAAn9/fwCAgIADzMzMAMDA/wB/f38AAAAAAAAAAAAAAAAAAAAAAAAAAAAhAAAAGAAAABQAAABqBAAA4QgAABY0AADBIwAAEAAAACYAAAAIAAAA//////////8="/>
               </a:ext>
             </a:extLst>
           </p:cNvSpPr>
@@ -10482,7 +10482,7 @@
           <p:cNvSpPr>
             <a:extLst>
               <a:ext uri="smNativeData">
-                <pr:smNativeData xmlns:pr="smNativeData" val="SMDATA_13_BbpsXRMAAAAlAAAAZAAAAA8BAAAAkAAAAEgAAACQAAAASAAAAAAAAAAAAAAAAAAAAAEAAABQAAAAAAAAAAAA4D8AAAAAAADgPwAAAAAAAOA/AAAAAAAA4D8AAAAAAADgPwAAAAAAAOA/AAAAAAAA4D8AAAAAAADgPwAAAAAAAOA/AAAAAAAA4D8CAAAAjAAAAAEAAAAAAAAAHh4eAP///wgAAAAAAAAAAAAAAAAAAAAAAAAAAAAAAAAAAAAAZAAAAAEAAABAAAAAAAAAAAAAAAAAAAAAAAAAAAAAAAAAAAAAAAAAAAAAAAAAAAAAAAAAAAAAAAAAAAAAAAAAAAAAAAAAAAAAAAAAAAAAAAAAAAAAAAAAAAAAAAAAAAAAFAAAADwAAAAAAAAAAAAAAAAAAAkAAAAAAQAAAAAAAAAAAAAAAAAAAAAAAAAAAAAAZAAAAGQAAAAAAAAAZAAAAGQAAAAVAAAAYAAAAAAAAAAAAAAADwAAACADAAAAAAAAAAAAAAEAAACgMgAAAAAAAAAAAAABAAAAf39/AAEAAABkAAAAAAAAABQAAABAHwAAAAAAACYAAAAAAAAAwOD//wAAAAAmAAAAZAAAABYAAABMAAAAAAAAAAAAAAAEAAAAAAAAAAEAAACAgIAKAAAAACgAAAAoAAAAZAAAAGQAAAAAAAAAzMzMAAAAAABQAAAAUAAAAGQAAABkAAAAAAAAABcAAAAUAAAAAAAAAAAAAAD/fwAA/38AAAAAAAAJAAAABAAAAEwAaQAMAAAAEAAAAAAAAAAAAAAAAAAAAAAAAAAeAAAAaAAAAAAAAAAAAAAAAAAAAAAAAAAAAAAAECcAABAnAAAAAAAAAAAAAAAAAAAAAAAAAAAAAAAAAAAAAAAAAAAAABQAAAAAAAAAwMD/AAAAAABkAAAAMgAAAAAAAABkAAAAAAAAAH9/fwAKAAAAHwAAAFQAAAAeHh4A////AQAAAAAAAAAAAAAAAAAAAAAAAAAAAAAAAAAAAAAAAAAAAAAAAn9/fwCAgIADzMzMAMDA/wB/f38AAAAAAAAAAAAAAAAAAAAAAAAAAAAhAAAAGAAAABQAAAAAAAAAZQcAAEA4AAC4CAAAEAAAACYAAAAIAAAA//////////8="/>
+                <pr:smNativeData xmlns:pr="smNativeData" val="SMDATA_13_IrKAXRMAAAAlAAAAZAAAAA8BAAAAkAAAAEgAAACQAAAASAAAAAAAAAAAAAAAAAAAAAEAAABQAAAAAAAAAAAA4D8AAAAAAADgPwAAAAAAAOA/AAAAAAAA4D8AAAAAAADgPwAAAAAAAOA/AAAAAAAA4D8AAAAAAADgPwAAAAAAAOA/AAAAAAAA4D8CAAAAjAAAAAEAAAAAAAAAHh4eAP///wgAAAAAAAAAAAAAAAAAAAAAAAAAAAAAAAAAAAAAZAAAAAEAAABAAAAAAAAAAAAAAAAAAAAAAAAAAAAAAAAAAAAAAAAAAAAAAAAAAAAAAAAAAAAAAAAAAAAAAAAAAAAAAAAAAAAAAAAAAAAAAAAAAAAAAAAAAAAAAAAAAAAAFAAAADwAAAAAAAAAAAAAAAAAAAkAAAAAAQAAAAAAAAAAAAAAAAAAAAAAAAAAAAAAZAAAAGQAAAAAAAAAZAAAAGQAAAAVAAAAYAAAAAAAAAAAAAAADwAAACADAAAAAAAAAAAAAAEAAACgMgAAAAAAAAAAAAABAAAAf39/AAEAAABkAAAAAAAAABQAAABAHwAAAAAAACYAAAAAAAAAwOD//wAAAAAmAAAAZAAAABYAAABMAAAAAAAAAAAAAAAEAAAAAAAAAAEAAACAgIAKAAAAACgAAAAoAAAAZAAAAGQAAAAAAAAAzMzMAAAAAABQAAAAUAAAAGQAAABkAAAAAAAAABcAAAAUAAAAAAAAAAAAAAD/fwAA/38AAAAAAAAJAAAABAAAAEwAaQAMAAAAEAAAAAAAAAAAAAAAAAAAAAAAAAAeAAAAaAAAAAAAAAAAAAAAAAAAAAAAAAAAAAAAECcAABAnAAAAAAAAAAAAAAAAAAAAAAAAAAAAAAAAAAAAAAAAAAAAABQAAAAAAAAAwMD/AAAAAABkAAAAMgAAAAAAAABkAAAAAAAAAH9/fwAKAAAAHwAAAFQAAAAeHh4A////AQAAAAAAAAAAAAAAAAAAAAAAAAAAAAAAAAAAAAAAAAAAAAAAAn9/fwCAgIADzMzMAMDA/wB/f38AAAAAAAAAAAAAAAAAAAAAAAAAAAAhAAAAGAAAABQAAAAAAAAAZQcAAEA4AAC4CAAAEAAAACYAAAAIAAAA//////////8="/>
               </a:ext>
             </a:extLst>
           </p:cNvSpPr>
@@ -10551,7 +10551,7 @@
           <p:cNvSpPr>
             <a:extLst>
               <a:ext uri="smNativeData">
-                <pr:smNativeData xmlns:pr="smNativeData" val="SMDATA_13_BbpsXRMAAAAlAAAAZAAAAA8BAAAAkAAAAEgAAACQAAAASAAAAAAAAAABAAAAAAAAAAEAAABQAAAAAAAAAAAA4D8AAAAAAADgPwAAAAAAAOA/AAAAAAAA4D8AAAAAAADgPwAAAAAAAOA/AAAAAAAA4D8AAAAAAADgPwAAAAAAAOA/AAAAAAAA4D8CAAAAjAAAAAAAAAAAAAAAu+DjDP///wgAAAAAAAAAAAAAAAAAAAAAAAAAAAAAAAAAAAAAZAAAAAEAAABAAAAAAAAAAAAAAAAAAAAAAAAAAAAAAAAAAAAAAAAAAAAAAAAAAAAAAAAAAAAAAAAAAAAAAAAAAAAAAAAAAAAAAAAAAAAAAAAAAAAAAAAAAAAAAAAAAAAAFAAAADwAAAAAAAAAAAAAAAAAAAkUAAAAAQAAABQAAAAUAAAAFAAAAAEAAAAAAAAAZAAAAGQAAAAAAAAAZAAAAGQAAAAVAAAAYAAAAAAAAAAAAAAADwAAACADAAAAAAAAAAAAAAEAAACgMgAAVgcAAKr4//8BAAAAf39/AAEAAABkAAAAAAAAABQAAABAHwAAAAAAACYAAAAAAAAAwOD//wAAAAAmAAAAZAAAABYAAABMAAAAAAAAAAAAAAAEAAAAAAAAAAEAAACAgIAKAAAAACgAAAAoAAAAZAAAAGQAAAAAAAAAzMzMAAAAAABQAAAAUAAAAGQAAABkAAAAAAAAABcAAAAUAAAAAAAAAAAAAAD/fwAA/38AAAAAAAAJAAAABAAAAAEAAAAMAAAAEAAAAAAAAAAAAAAAAAAAAAAAAAAeAAAAaAAAAAAAAAAAAAAAAAAAAAAAAAAAAAAAECcAABAnAAAAAAAAAAAAAAAAAAAAAAAAAAAAAAAAAAAAAAAAAAAAABQAAAAAAAAAwMD/AAAAAABkAAAAMgAAAAAAAABkAAAAAAAAAH9/fwAKAAAAHwAAAFQAAAC74OMF////AQAAAAAAAAAAAAAAAAAAAAAAAAAAAAAAAAAAAAAAAAAAAAAAAn9/fwCAgIADzMzMAMDA/wB/f38AAAAAAAAAAAAAAAAAAAAAAAAAAAAhAAAAGAAAABQAAABqBAAAiAMAABY0AAAoBwAAEAAAACYAAAAIAAAA//////////8="/>
+                <pr:smNativeData xmlns:pr="smNativeData" val="SMDATA_13_IrKAXRMAAAAlAAAAZAAAAA8BAAAAkAAAAEgAAACQAAAASAAAAAAAAAABAAAAAAAAAAEAAABQAAAAAAAAAAAA4D8AAAAAAADgPwAAAAAAAOA/AAAAAAAA4D8AAAAAAADgPwAAAAAAAOA/AAAAAAAA4D8AAAAAAADgPwAAAAAAAOA/AAAAAAAA4D8CAAAAjAAAAAAAAAAAAAAAu+DjDP///wgAAAAAAAAAAAAAAAAAAAAAAAAAAAAAAAAAAAAAZAAAAAEAAABAAAAAAAAAAAAAAAAAAAAAAAAAAAAAAAAAAAAAAAAAAAAAAAAAAAAAAAAAAAAAAAAAAAAAAAAAAAAAAAAAAAAAAAAAAAAAAAAAAAAAAAAAAAAAAAAAAAAAFAAAADwAAAAAAAAAAAAAAAAAAAkUAAAAAQAAABQAAAAUAAAAFAAAAAEAAAAAAAAAZAAAAGQAAAAAAAAAZAAAAGQAAAAVAAAAYAAAAAAAAAAAAAAADwAAACADAAAAAAAAAAAAAAEAAACgMgAAVgcAAKr4//8BAAAAf39/AAEAAABkAAAAAAAAABQAAABAHwAAAAAAACYAAAAAAAAAwOD//wAAAAAmAAAAZAAAABYAAABMAAAAAAAAAAAAAAAEAAAAAAAAAAEAAACAgIAKAAAAACgAAAAoAAAAZAAAAGQAAAAAAAAAzMzMAAAAAABQAAAAUAAAAGQAAABkAAAAAAAAABcAAAAUAAAAAAAAAAAAAAD/fwAA/38AAAAAAAAJAAAABAAAAAEAAAAMAAAAEAAAAAAAAAAAAAAAAAAAAAAAAAAeAAAAaAAAAAAAAAAAAAAAAAAAAAAAAAAAAAAAECcAABAnAAAAAAAAAAAAAAAAAAAAAAAAAAAAAAAAAAAAAAAAAAAAABQAAAAAAAAAwMD/AAAAAABkAAAAMgAAAAAAAABkAAAAAAAAAH9/fwAKAAAAHwAAAFQAAAC74OMF////AQAAAAAAAAAAAAAAAAAAAAAAAAAAAAAAAAAAAAAAAAAAAAAAAn9/fwCAgIADzMzMAMDA/wB/f38AAAAAAAAAAAAAAAAAAAAAAAAAAAAhAAAAGAAAABQAAABqBAAAiAMAABY0AAAoBwAAEAAAACYAAAAIAAAA//////////8="/>
               </a:ext>
             </a:extLst>
           </p:cNvSpPr>
@@ -10597,7 +10597,7 @@
           <p:cNvSpPr txBox="1">
             <a:extLst>
               <a:ext uri="smNativeData">
-                <pr:smNativeData xmlns:pr="smNativeData" val="SMDATA_13_BbpsXRMAAAAlAAAAEgAAAA8BAAAAkAAAAEgAAACQAAAASAAAAAAAAAAAAAAAAAAAAAEAAABQAAAAAAAAAAAA4D8AAAAAAADgPwAAAAAAAOA/AAAAAAAA4D8AAAAAAADgPwAAAAAAAOA/AAAAAAAA4D8AAAAAAADgPwAAAAAAAOA/AAAAAAAA4D8CAAAAjAAAAAAAAAAAAAAAu+DjDP///wgAAAAAAAAAAAAAAAAAAAAAAAAAAAAAAAAAAAAAZAAAAAEAAABAAAAAAAAAAAAAAAAAAAAAAAAAAAAAAAAAAAAAAAAAAAAAAAAAAAAAAAAAAAAAAAAAAAAAAAAAAAAAAAAAAAAAAAAAAAAAAAAAAAAAAAAAAAAAAAAAAAAAFAAAADwAAAAAAAAAAAAAAAAAAAkUAAAAAQAAABQAAAAUAAAAFAAAAAEAAAAAAAAAZAAAAGQAAAAAAAAAZAAAAGQAAAAVAAAAYAAAAAAAAAAAAAAADwAAACADAAAAAAAAAAAAAAEAAACgMgAAVgcAAKr4//8BAAAAf39/AAEAAABkAAAAAAAAABQAAABAHwAAAAAAACYAAAAAAAAAwOD//wAAAAAmAAAAZAAAABYAAABMAAAAAAAAAAAAAAAEAAAAAAAAAAEAAACAgIAKAAAAACgAAAAoAAAAZAAAAGQAAAAAAAAAzMzMAAAAAABQAAAAUAAAAGQAAABkAAAAAAAAABcAAAAUAAAAAAAAANwIAAD/fwAA/38AAAAAAAAJAAAABAAAAON4AAAMAAAAEAAAAAAAAAAAAAAAAAAAAAAAAAAeAAAAaAAAAAAAAAAAAAAAAAAAAAAAAAAAAAAAECcAABAnAAAAAAAAAAAAAAAAAAAAAAAAAAAAAAAAAAAAAAAAAAAAABQAAAAAAAAAwMD/AAAAAABkAAAAMgAAAAAAAABkAAAAAAAAAH9/fwAKAAAAHwAAAFQAAAC74OMF////AQAAAAAAAAAAAAAAAAAAAAAAAAAAAAAAAAAAAAAAAAAAAAAAAn9/fwCAgIADzMzMAMDA/wB/f38AAAAAAAAAAAAAAAAAAAAAAAAAAAAhAAAAGAAAABQAAABqBAAA4QgAABY0AABAHAAAAAAAACYAAAAIAAAA//////////8="/>
+                <pr:smNativeData xmlns:pr="smNativeData" val="SMDATA_13_IrKAXRMAAAAlAAAAEgAAAA8BAAAAkAAAAEgAAACQAAAASAAAAAAAAAAAAAAAAAAAAAEAAABQAAAAAAAAAAAA4D8AAAAAAADgPwAAAAAAAOA/AAAAAAAA4D8AAAAAAADgPwAAAAAAAOA/AAAAAAAA4D8AAAAAAADgPwAAAAAAAOA/AAAAAAAA4D8CAAAAjAAAAAAAAAAAAAAAu+DjDP///wgAAAAAAAAAAAAAAAAAAAAAAAAAAAAAAAAAAAAAZAAAAAEAAABAAAAAAAAAAAAAAAAAAAAAAAAAAAAAAAAAAAAAAAAAAAAAAAAAAAAAAAAAAAAAAAAAAAAAAAAAAAAAAAAAAAAAAAAAAAAAAAAAAAAAAAAAAAAAAAAAAAAAFAAAADwAAAAAAAAAAAAAAAAAAAkUAAAAAQAAABQAAAAUAAAAFAAAAAEAAAAAAAAAZAAAAGQAAAAAAAAAZAAAAGQAAAAVAAAAYAAAAAAAAAAAAAAADwAAACADAAAAAAAAAAAAAAEAAACgMgAAVgcAAKr4//8BAAAAf39/AAEAAABkAAAAAAAAABQAAABAHwAAAAAAACYAAAAAAAAAwOD//wAAAAAmAAAAZAAAABYAAABMAAAAAAAAAAAAAAAEAAAAAAAAAAEAAACAgIAKAAAAACgAAAAoAAAAZAAAAGQAAAAAAAAAzMzMAAAAAABQAAAAUAAAAGQAAABkAAAAAAAAABcAAAAUAAAAAAAAANwIAAD/fwAA/38AAAAAAAAJAAAABAAAAON4AAAMAAAAEAAAAAAAAAAAAAAAAAAAAAAAAAAeAAAAaAAAAAAAAAAAAAAAAAAAAAAAAAAAAAAAECcAABAnAAAAAAAAAAAAAAAAAAAAAAAAAAAAAAAAAAAAAAAAAAAAABQAAAAAAAAAwMD/AAAAAABkAAAAMgAAAAAAAABkAAAAAAAAAH9/fwAKAAAAHwAAAFQAAAC74OMF////AQAAAAAAAAAAAAAAAAAAAAAAAAAAAAAAAAAAAAAAAAAAAAAAAn9/fwCAgIADzMzMAMDA/wB/f38AAAAAAAAAAAAAAAAAAAAAAAAAAAAhAAAAGAAAABQAAABqBAAA4QgAABY0AABAHAAAEAAAACYAAAAIAAAA//////////8="/>
               </a:ext>
             </a:extLst>
           </p:cNvSpPr>
@@ -10738,7 +10738,7 @@
           <p:cNvSpPr>
             <a:extLst>
               <a:ext uri="smNativeData">
-                <pr:smNativeData xmlns:pr="smNativeData" val="SMDATA_13_BbpsXRMAAAAlAAAAZAAAAA8BAAAAkAAAAEgAAACQAAAASAAAAAAAAAAAAAAAAAAAAAEAAABQAAAAAAAAAAAA4D8AAAAAAADgPwAAAAAAAOA/AAAAAAAA4D8AAAAAAADgPwAAAAAAAOA/AAAAAAAA4D8AAAAAAADgPwAAAAAAAOA/AAAAAAAA4D8CAAAAjAAAAAEAAAAAAAAAHh4eAP///wgAAAAAAAAAAAAAAAAAAAAAAAAAAAAAAAAAAAAAZAAAAAEAAABAAAAAAAAAAAAAAAAAAAAAAAAAAAAAAAAAAAAAAAAAAAAAAAAAAAAAAAAAAAAAAAAAAAAAAAAAAAAAAAAAAAAAAAAAAAAAAAAAAAAAAAAAAAAAAAAAAAAAFAAAADwAAAAAAAAAAAAAAAAAAAkAAAAAAQAAAAAAAAAAAAAAAAAAAAAAAAAAAAAAZAAAAGQAAAAAAAAAZAAAAGQAAAAVAAAAYAAAAAAAAAAAAAAADwAAACADAAAAAAAAAAAAAAEAAACgMgAAAAAAAAAAAAABAAAAf39/AAEAAABkAAAAAAAAABQAAABAHwAAAAAAACYAAAAAAAAAwOD//wAAAAAmAAAAZAAAABYAAABMAAAAAAAAAAAAAAAEAAAAAAAAAAEAAACAgIAKAAAAACgAAAAoAAAAZAAAAGQAAAAAAAAAzMzMAAAAAABQAAAAUAAAAGQAAABkAAAAAAAAABcAAAAUAAAAAAAAAAAAAAD/fwAA/38AAAAAAAAJAAAABAAAADA5MDgMAAAAEAAAAAAAAAAAAAAAAAAAAAAAAAAeAAAAaAAAAAAAAAAAAAAAAAAAAAAAAAAAAAAAECcAABAnAAAAAAAAAAAAAAAAAAAAAAAAAAAAAAAAAAAAAAAAAAAAABQAAAAAAAAAwMD/AAAAAABkAAAAMgAAAAAAAABkAAAAAAAAAH9/fwAKAAAAHwAAAFQAAAAeHh4A////AQAAAAAAAAAAAAAAAAAAAAAAAAAAAAAAAAAAAAAAAAAAAAAAAn9/fwCAgIADzMzMAMDA/wB/f38AAAAAAAAAAAAAAAAAAAAAAAAAAAAhAAAAGAAAABQAAAAAAAAAZQcAAEA4AAC4CAAAEAAAACYAAAAIAAAA//////////8="/>
+                <pr:smNativeData xmlns:pr="smNativeData" val="SMDATA_13_IrKAXRMAAAAlAAAAZAAAAA8BAAAAkAAAAEgAAACQAAAASAAAAAAAAAAAAAAAAAAAAAEAAABQAAAAAAAAAAAA4D8AAAAAAADgPwAAAAAAAOA/AAAAAAAA4D8AAAAAAADgPwAAAAAAAOA/AAAAAAAA4D8AAAAAAADgPwAAAAAAAOA/AAAAAAAA4D8CAAAAjAAAAAEAAAAAAAAAHh4eAP///wgAAAAAAAAAAAAAAAAAAAAAAAAAAAAAAAAAAAAAZAAAAAEAAABAAAAAAAAAAAAAAAAAAAAAAAAAAAAAAAAAAAAAAAAAAAAAAAAAAAAAAAAAAAAAAAAAAAAAAAAAAAAAAAAAAAAAAAAAAAAAAAAAAAAAAAAAAAAAAAAAAAAAFAAAADwAAAAAAAAAAAAAAAAAAAkAAAAAAQAAAAAAAAAAAAAAAAAAAAAAAAAAAAAAZAAAAGQAAAAAAAAAZAAAAGQAAAAVAAAAYAAAAAAAAAAAAAAADwAAACADAAAAAAAAAAAAAAEAAACgMgAAAAAAAAAAAAABAAAAf39/AAEAAABkAAAAAAAAABQAAABAHwAAAAAAACYAAAAAAAAAwOD//wAAAAAmAAAAZAAAABYAAABMAAAAAAAAAAAAAAAEAAAAAAAAAAEAAACAgIAKAAAAACgAAAAoAAAAZAAAAGQAAAAAAAAAzMzMAAAAAABQAAAAUAAAAGQAAABkAAAAAAAAABcAAAAUAAAAAAAAAAAAAAD/fwAA/38AAAAAAAAJAAAABAAAADA5MDgMAAAAEAAAAAAAAAAAAAAAAAAAAAAAAAAeAAAAaAAAAAAAAAAAAAAAAAAAAAAAAAAAAAAAECcAABAnAAAAAAAAAAAAAAAAAAAAAAAAAAAAAAAAAAAAAAAAAAAAABQAAAAAAAAAwMD/AAAAAABkAAAAMgAAAAAAAABkAAAAAAAAAH9/fwAKAAAAHwAAAFQAAAAeHh4A////AQAAAAAAAAAAAAAAAAAAAAAAAAAAAAAAAAAAAAAAAAAAAAAAAn9/fwCAgIADzMzMAMDA/wB/f38AAAAAAAAAAAAAAAAAAAAAAAAAAAAhAAAAGAAAABQAAAAAAAAAZQcAAEA4AAC4CAAAEAAAACYAAAAIAAAA//////////8="/>
               </a:ext>
             </a:extLst>
           </p:cNvSpPr>
@@ -10807,7 +10807,7 @@
           <p:cNvSpPr>
             <a:extLst>
               <a:ext uri="smNativeData">
-                <pr:smNativeData xmlns:pr="smNativeData" val="SMDATA_13_BbpsXRMAAAAlAAAAZAAAAA8BAAAAkAAAAEgAAACQAAAASAAAAAAAAAABAAAAAAAAAAEAAABQAAAAAAAAAAAA4D8AAAAAAADgPwAAAAAAAOA/AAAAAAAA4D8AAAAAAADgPwAAAAAAAOA/AAAAAAAA4D8AAAAAAADgPwAAAAAAAOA/AAAAAAAA4D8CAAAAjAAAAAAAAAAAAAAAu+DjDP///wgAAAAAAAAAAAAAAAAAAAAAAAAAAAAAAAAAAAAAZAAAAAEAAABAAAAAAAAAAAAAAAAAAAAAAAAAAAAAAAAAAAAAAAAAAAAAAAAAAAAAAAAAAAAAAAAAAAAAAAAAAAAAAAAAAAAAAAAAAAAAAAAAAAAAAAAAAAAAAAAAAAAAFAAAADwAAAAAAAAAAAAAAAAAAAkUAAAAAQAAABQAAAAUAAAAFAAAAAEAAAAAAAAAZAAAAGQAAAAAAAAAZAAAAGQAAAAVAAAAYAAAAAAAAAAAAAAADwAAACADAAAAAAAAAAAAAAEAAACgMgAAVgcAAKr4//8BAAAAf39/AAEAAABkAAAAAAAAABQAAABAHwAAAAAAACYAAAAAAAAAwOD//wAAAAAmAAAAZAAAABYAAABMAAAAAAAAAAAAAAAEAAAAAAAAAAEAAACAgIAKAAAAACgAAAAoAAAAZAAAAGQAAAAAAAAAzMzMAAAAAABQAAAAUAAAAGQAAABkAAAAAAAAABcAAAAUAAAAAAAAAAAAAAD/fwAA/38AAAAAAAAJAAAABAAAAJDP7Q4MAAAAEAAAAAAAAAAAAAAAAAAAAAAAAAAeAAAAaAAAAAAAAAAAAAAAAAAAAAAAAAAAAAAAECcAABAnAAAAAAAAAAAAAAAAAAAAAAAAAAAAAAAAAAAAAAAAAAAAABQAAAAAAAAAwMD/AAAAAABkAAAAMgAAAAAAAABkAAAAAAAAAH9/fwAKAAAAHwAAAFQAAAC74OMF////AQAAAAAAAAAAAAAAAAAAAAAAAAAAAAAAAAAAAAAAAAAAAAAAAn9/fwCAgIADzMzMAMDA/wB/f38AAAAAAAAAAAAAAAAAAAAAAAAAAAAhAAAAGAAAABQAAABqBAAAiAMAABY0AAAoBwAAEAAAACYAAAAIAAAA//////////8="/>
+                <pr:smNativeData xmlns:pr="smNativeData" val="SMDATA_13_IrKAXRMAAAAlAAAAZAAAAA8BAAAAkAAAAEgAAACQAAAASAAAAAAAAAABAAAAAAAAAAEAAABQAAAAAAAAAAAA4D8AAAAAAADgPwAAAAAAAOA/AAAAAAAA4D8AAAAAAADgPwAAAAAAAOA/AAAAAAAA4D8AAAAAAADgPwAAAAAAAOA/AAAAAAAA4D8CAAAAjAAAAAAAAAAAAAAAu+DjDP///wgAAAAAAAAAAAAAAAAAAAAAAAAAAAAAAAAAAAAAZAAAAAEAAABAAAAAAAAAAAAAAAAAAAAAAAAAAAAAAAAAAAAAAAAAAAAAAAAAAAAAAAAAAAAAAAAAAAAAAAAAAAAAAAAAAAAAAAAAAAAAAAAAAAAAAAAAAAAAAAAAAAAAFAAAADwAAAAAAAAAAAAAAAAAAAkUAAAAAQAAABQAAAAUAAAAFAAAAAEAAAAAAAAAZAAAAGQAAAAAAAAAZAAAAGQAAAAVAAAAYAAAAAAAAAAAAAAADwAAACADAAAAAAAAAAAAAAEAAACgMgAAVgcAAKr4//8BAAAAf39/AAEAAABkAAAAAAAAABQAAABAHwAAAAAAACYAAAAAAAAAwOD//wAAAAAmAAAAZAAAABYAAABMAAAAAAAAAAAAAAAEAAAAAAAAAAEAAACAgIAKAAAAACgAAAAoAAAAZAAAAGQAAAAAAAAAzMzMAAAAAABQAAAAUAAAAGQAAABkAAAAAAAAABcAAAAUAAAAAAAAAAAAAAD/fwAA/38AAAAAAAAJAAAABAAAAJDP7Q4MAAAAEAAAAAAAAAAAAAAAAAAAAAAAAAAeAAAAaAAAAAAAAAAAAAAAAAAAAAAAAAAAAAAAECcAABAnAAAAAAAAAAAAAAAAAAAAAAAAAAAAAAAAAAAAAAAAAAAAABQAAAAAAAAAwMD/AAAAAABkAAAAMgAAAAAAAABkAAAAAAAAAH9/fwAKAAAAHwAAAFQAAAC74OMF////AQAAAAAAAAAAAAAAAAAAAAAAAAAAAAAAAAAAAAAAAAAAAAAAAn9/fwCAgIADzMzMAMDA/wB/f38AAAAAAAAAAAAAAAAAAAAAAAAAAAAhAAAAGAAAABQAAABqBAAAiAMAABY0AAAoBwAAEAAAACYAAAAIAAAA//////////8="/>
               </a:ext>
             </a:extLst>
           </p:cNvSpPr>
@@ -10853,7 +10853,7 @@
           <p:cNvSpPr txBox="1">
             <a:extLst>
               <a:ext uri="smNativeData">
-                <pr:smNativeData xmlns:pr="smNativeData" val="SMDATA_13_BbpsXRMAAAAlAAAAEgAAAA8BAAAAkAAAAEgAAACQAAAASAAAAAAAAAAAAAAAAAAAAAEAAABQAAAAAAAAAAAA4D8AAAAAAADgPwAAAAAAAOA/AAAAAAAA4D8AAAAAAADgPwAAAAAAAOA/AAAAAAAA4D8AAAAAAADgPwAAAAAAAOA/AAAAAAAA4D8CAAAAjAAAAAAAAAAAAAAAu+DjDP///wgAAAAAAAAAAAAAAAAAAAAAAAAAAAAAAAAAAAAAZAAAAAEAAABAAAAAAAAAAAAAAAAAAAAAAAAAAAAAAAAAAAAAAAAAAAAAAAAAAAAAAAAAAAAAAAAAAAAAAAAAAAAAAAAAAAAAAAAAAAAAAAAAAAAAAAAAAAAAAAAAAAAAFAAAADwAAAAAAAAAAAAAAAAAAAkUAAAAAQAAABQAAAAUAAAAFAAAAAEAAAAAAAAAZAAAAGQAAAAAAAAAZAAAAGQAAAAVAAAAYAAAAAAAAAAAAAAADwAAACADAAAAAAAAAAAAAAEAAACgMgAAVgcAAKr4//8BAAAAf39/AAEAAABkAAAAAAAAABQAAABAHwAAAAAAACYAAAAAAAAAwOD//wAAAAAmAAAAZAAAABYAAABMAAAAAAAAAAAAAAAEAAAAAAAAAAEAAACAgIAKAAAAACgAAAAoAAAAZAAAAGQAAAAAAAAAzMzMAAAAAABQAAAAUAAAAGQAAABkAAAAAAAAABcAAAAUAAAAAAAAANwIAAD/fwAA/38AAAAAAAAJAAAABAAAAGwYAAAMAAAAEAAAAAAAAAAAAAAAAAAAAAAAAAAeAAAAaAAAAAAAAAAAAAAAAAAAAAAAAAAAAAAAECcAABAnAAAAAAAAAAAAAAAAAAAAAAAAAAAAAAAAAAAAAAAAAAAAABQAAAAAAAAAwMD/AAAAAABkAAAAMgAAAAAAAABkAAAAAAAAAH9/fwAKAAAAHwAAAFQAAAC74OMF////AQAAAAAAAAAAAAAAAAAAAAAAAAAAAAAAAAAAAAAAAAAAAAAAAn9/fwCAgIADzMzMAMDA/wB/f38AAAAAAAAAAAAAAAAAAAAAAAAAAAAhAAAAGAAAABQAAABqBAAA4QgAABY0AABAHAAAAAAAACYAAAAIAAAA//////////8="/>
+                <pr:smNativeData xmlns:pr="smNativeData" val="SMDATA_13_IrKAXRMAAAAlAAAAEgAAAA8BAAAAkAAAAEgAAACQAAAASAAAAAAAAAAAAAAAAAAAAAEAAABQAAAAAAAAAAAA4D8AAAAAAADgPwAAAAAAAOA/AAAAAAAA4D8AAAAAAADgPwAAAAAAAOA/AAAAAAAA4D8AAAAAAADgPwAAAAAAAOA/AAAAAAAA4D8CAAAAjAAAAAAAAAAAAAAAu+DjDP///wgAAAAAAAAAAAAAAAAAAAAAAAAAAAAAAAAAAAAAZAAAAAEAAABAAAAAAAAAAAAAAAAAAAAAAAAAAAAAAAAAAAAAAAAAAAAAAAAAAAAAAAAAAAAAAAAAAAAAAAAAAAAAAAAAAAAAAAAAAAAAAAAAAAAAAAAAAAAAAAAAAAAAFAAAADwAAAAAAAAAAAAAAAAAAAkUAAAAAQAAABQAAAAUAAAAFAAAAAEAAAAAAAAAZAAAAGQAAAAAAAAAZAAAAGQAAAAVAAAAYAAAAAAAAAAAAAAADwAAACADAAAAAAAAAAAAAAEAAACgMgAAVgcAAKr4//8BAAAAf39/AAEAAABkAAAAAAAAABQAAABAHwAAAAAAACYAAAAAAAAAwOD//wAAAAAmAAAAZAAAABYAAABMAAAAAAAAAAAAAAAEAAAAAAAAAAEAAACAgIAKAAAAACgAAAAoAAAAZAAAAGQAAAAAAAAAzMzMAAAAAABQAAAAUAAAAGQAAABkAAAAAAAAABcAAAAUAAAAAAAAANwIAAD/fwAA/38AAAAAAAAJAAAABAAAAGwYAAAMAAAAEAAAAAAAAAAAAAAAAAAAAAAAAAAeAAAAaAAAAAAAAAAAAAAAAAAAAAAAAAAAAAAAECcAABAnAAAAAAAAAAAAAAAAAAAAAAAAAAAAAAAAAAAAAAAAAAAAABQAAAAAAAAAwMD/AAAAAABkAAAAMgAAAAAAAABkAAAAAAAAAH9/fwAKAAAAHwAAAFQAAAC74OMF////AQAAAAAAAAAAAAAAAAAAAAAAAAAAAAAAAAAAAAAAAAAAAAAAAn9/fwCAgIADzMzMAMDA/wB/f38AAAAAAAAAAAAAAAAAAAAAAAAAAAAhAAAAGAAAABQAAABqBAAA4QgAABY0AABAHAAAEAAAACYAAAAIAAAA//////////8="/>
               </a:ext>
             </a:extLst>
           </p:cNvSpPr>
@@ -11034,7 +11034,7 @@
           <p:cNvSpPr>
             <a:extLst>
               <a:ext uri="smNativeData">
-                <pr:smNativeData xmlns:pr="smNativeData" val="SMDATA_13_BbpsXRMAAAAlAAAAZAAAAA8BAAAAkAAAAEgAAACQAAAASAAAAAAAAAAAAAAAAAAAAAEAAABQAAAAAAAAAAAA4D8AAAAAAADgPwAAAAAAAOA/AAAAAAAA4D8AAAAAAADgPwAAAAAAAOA/AAAAAAAA4D8AAAAAAADgPwAAAAAAAOA/AAAAAAAA4D8CAAAAjAAAAAEAAAAAAAAAHh4eAP///wgAAAAAAAAAAAAAAAAAAAAAAAAAAAAAAAAAAAAAZAAAAAEAAABAAAAAAAAAAAAAAAAAAAAAAAAAAAAAAAAAAAAAAAAAAAAAAAAAAAAAAAAAAAAAAAAAAAAAAAAAAAAAAAAAAAAAAAAAAAAAAAAAAAAAAAAAAAAAAAAAAAAAFAAAADwAAAAAAAAAAAAAAAAAAAkAAAAAAQAAAAAAAAAAAAAAAAAAAAAAAAAAAAAAZAAAAGQAAAAAAAAAZAAAAGQAAAAVAAAAYAAAAAAAAAAAAAAADwAAACADAAAAAAAAAAAAAAEAAACgMgAAAAAAAAAAAAABAAAAf39/AAEAAABkAAAAAAAAABQAAABAHwAAAAAAACYAAAAAAAAAwOD//wAAAAAmAAAAZAAAABYAAABMAAAAAAAAAAAAAAAEAAAAAAAAAAEAAACAgIAKAAAAACgAAAAoAAAAZAAAAGQAAAAAAAAAzMzMAAAAAABQAAAAUAAAAGQAAABkAAAAAAAAABcAAAAUAAAAAAAAAAAAAAD/fwAA/38AAAAAAAAJAAAABAAAAG0WAAAMAAAAEAAAAAAAAAAAAAAAAAAAAAAAAAAeAAAAaAAAAAAAAAAAAAAAAAAAAAAAAAAAAAAAECcAABAnAAAAAAAAAAAAAAAAAAAAAAAAAAAAAAAAAAAAAAAAAAAAABQAAAAAAAAAwMD/AAAAAABkAAAAMgAAAAAAAABkAAAAAAAAAH9/fwAKAAAAHwAAAFQAAAAeHh4A////AQAAAAAAAAAAAAAAAAAAAAAAAAAAAAAAAAAAAAAAAAAAAAAAAn9/fwCAgIADzMzMAMDA/wB/f38AAAAAAAAAAAAAAAAAAAAAAAAAAAAhAAAAGAAAABQAAAAAAAAAZQcAAEA4AAC4CAAAEAAAACYAAAAIAAAA//////////8="/>
+                <pr:smNativeData xmlns:pr="smNativeData" val="SMDATA_13_IrKAXRMAAAAlAAAAZAAAAA8BAAAAkAAAAEgAAACQAAAASAAAAAAAAAAAAAAAAAAAAAEAAABQAAAAAAAAAAAA4D8AAAAAAADgPwAAAAAAAOA/AAAAAAAA4D8AAAAAAADgPwAAAAAAAOA/AAAAAAAA4D8AAAAAAADgPwAAAAAAAOA/AAAAAAAA4D8CAAAAjAAAAAEAAAAAAAAAHh4eAP///wgAAAAAAAAAAAAAAAAAAAAAAAAAAAAAAAAAAAAAZAAAAAEAAABAAAAAAAAAAAAAAAAAAAAAAAAAAAAAAAAAAAAAAAAAAAAAAAAAAAAAAAAAAAAAAAAAAAAAAAAAAAAAAAAAAAAAAAAAAAAAAAAAAAAAAAAAAAAAAAAAAAAAFAAAADwAAAAAAAAAAAAAAAAAAAkAAAAAAQAAAAAAAAAAAAAAAAAAAAAAAAAAAAAAZAAAAGQAAAAAAAAAZAAAAGQAAAAVAAAAYAAAAAAAAAAAAAAADwAAACADAAAAAAAAAAAAAAEAAACgMgAAAAAAAAAAAAABAAAAf39/AAEAAABkAAAAAAAAABQAAABAHwAAAAAAACYAAAAAAAAAwOD//wAAAAAmAAAAZAAAABYAAABMAAAAAAAAAAAAAAAEAAAAAAAAAAEAAACAgIAKAAAAACgAAAAoAAAAZAAAAGQAAAAAAAAAzMzMAAAAAABQAAAAUAAAAGQAAABkAAAAAAAAABcAAAAUAAAAAAAAAAAAAAD/fwAA/38AAAAAAAAJAAAABAAAAG0WAAAMAAAAEAAAAAAAAAAAAAAAAAAAAAAAAAAeAAAAaAAAAAAAAAAAAAAAAAAAAAAAAAAAAAAAECcAABAnAAAAAAAAAAAAAAAAAAAAAAAAAAAAAAAAAAAAAAAAAAAAABQAAAAAAAAAwMD/AAAAAABkAAAAMgAAAAAAAABkAAAAAAAAAH9/fwAKAAAAHwAAAFQAAAAeHh4A////AQAAAAAAAAAAAAAAAAAAAAAAAAAAAAAAAAAAAAAAAAAAAAAAAn9/fwCAgIADzMzMAMDA/wB/f38AAAAAAAAAAAAAAAAAAAAAAAAAAAAhAAAAGAAAABQAAAAAAAAAZQcAAEA4AAC4CAAAEAAAACYAAAAIAAAA//////////8="/>
               </a:ext>
             </a:extLst>
           </p:cNvSpPr>
@@ -11103,7 +11103,7 @@
           <p:cNvSpPr>
             <a:extLst>
               <a:ext uri="smNativeData">
-                <pr:smNativeData xmlns:pr="smNativeData" val="SMDATA_13_BbpsXRMAAAAlAAAAZAAAAA8BAAAAkAAAAEgAAACQAAAASAAAAAAAAAABAAAAAAAAAAEAAABQAAAAAAAAAAAA4D8AAAAAAADgPwAAAAAAAOA/AAAAAAAA4D8AAAAAAADgPwAAAAAAAOA/AAAAAAAA4D8AAAAAAADgPwAAAAAAAOA/AAAAAAAA4D8CAAAAjAAAAAAAAAAAAAAAu+DjDP///wgAAAAAAAAAAAAAAAAAAAAAAAAAAAAAAAAAAAAAZAAAAAEAAABAAAAAAAAAAAAAAAAAAAAAAAAAAAAAAAAAAAAAAAAAAAAAAAAAAAAAAAAAAAAAAAAAAAAAAAAAAAAAAAAAAAAAAAAAAAAAAAAAAAAAAAAAAAAAAAAAAAAAFAAAADwAAAAAAAAAAAAAAAAAAAkUAAAAAQAAABQAAAAUAAAAFAAAAAEAAAAAAAAAZAAAAGQAAAAAAAAAZAAAAGQAAAAVAAAAYAAAAAAAAAAAAAAADwAAACADAAAAAAAAAAAAAAEAAACgMgAAVgcAAKr4//8BAAAAf39/AAEAAABkAAAAAAAAABQAAABAHwAAAAAAACYAAAAAAAAAwOD//wAAAAAmAAAAZAAAABYAAABMAAAAAAAAAAAAAAAEAAAAAAAAAAEAAACAgIAKAAAAACgAAAAoAAAAZAAAAGQAAAAAAAAAzMzMAAAAAABQAAAAUAAAAGQAAABkAAAAAAAAABcAAAAUAAAAAAAAAAAAAAD/fwAA/38AAAAAAAAJAAAABAAAAAAAAAAMAAAAEAAAAAAAAAAAAAAAAAAAAAAAAAAeAAAAaAAAAAAAAAAAAAAAAAAAAAAAAAAAAAAAECcAABAnAAAAAAAAAAAAAAAAAAAAAAAAAAAAAAAAAAAAAAAAAAAAABQAAAAAAAAAwMD/AAAAAABkAAAAMgAAAAAAAABkAAAAAAAAAH9/fwAKAAAAHwAAAFQAAAC74OMF////AQAAAAAAAAAAAAAAAAAAAAAAAAAAAAAAAAAAAAAAAAAAAAAAAn9/fwCAgIADzMzMAMDA/wB/f38AAAAAAAAAAAAAAAAAAAAAAAAAAAAhAAAAGAAAABQAAABqBAAAiAMAABY0AAAoBwAAEAAAACYAAAAIAAAA//////////8="/>
+                <pr:smNativeData xmlns:pr="smNativeData" val="SMDATA_13_IrKAXRMAAAAlAAAAZAAAAA8BAAAAkAAAAEgAAACQAAAASAAAAAAAAAABAAAAAAAAAAEAAABQAAAAAAAAAAAA4D8AAAAAAADgPwAAAAAAAOA/AAAAAAAA4D8AAAAAAADgPwAAAAAAAOA/AAAAAAAA4D8AAAAAAADgPwAAAAAAAOA/AAAAAAAA4D8CAAAAjAAAAAAAAAAAAAAAu+DjDP///wgAAAAAAAAAAAAAAAAAAAAAAAAAAAAAAAAAAAAAZAAAAAEAAABAAAAAAAAAAAAAAAAAAAAAAAAAAAAAAAAAAAAAAAAAAAAAAAAAAAAAAAAAAAAAAAAAAAAAAAAAAAAAAAAAAAAAAAAAAAAAAAAAAAAAAAAAAAAAAAAAAAAAFAAAADwAAAAAAAAAAAAAAAAAAAkUAAAAAQAAABQAAAAUAAAAFAAAAAEAAAAAAAAAZAAAAGQAAAAAAAAAZAAAAGQAAAAVAAAAYAAAAAAAAAAAAAAADwAAACADAAAAAAAAAAAAAAEAAACgMgAAVgcAAKr4//8BAAAAf39/AAEAAABkAAAAAAAAABQAAABAHwAAAAAAACYAAAAAAAAAwOD//wAAAAAmAAAAZAAAABYAAABMAAAAAAAAAAAAAAAEAAAAAAAAAAEAAACAgIAKAAAAACgAAAAoAAAAZAAAAGQAAAAAAAAAzMzMAAAAAABQAAAAUAAAAGQAAABkAAAAAAAAABcAAAAUAAAAAAAAAAAAAAD/fwAA/38AAAAAAAAJAAAABAAAAAAAAAAMAAAAEAAAAAAAAAAAAAAAAAAAAAAAAAAeAAAAaAAAAAAAAAAAAAAAAAAAAAAAAAAAAAAAECcAABAnAAAAAAAAAAAAAAAAAAAAAAAAAAAAAAAAAAAAAAAAAAAAABQAAAAAAAAAwMD/AAAAAABkAAAAMgAAAAAAAABkAAAAAAAAAH9/fwAKAAAAHwAAAFQAAAC74OMF////AQAAAAAAAAAAAAAAAAAAAAAAAAAAAAAAAAAAAAAAAAAAAAAAAn9/fwCAgIADzMzMAMDA/wB/f38AAAAAAAAAAAAAAAAAAAAAAAAAAAAhAAAAGAAAABQAAABqBAAAiAMAABY0AAAoBwAAEAAAACYAAAAIAAAA//////////8="/>
               </a:ext>
             </a:extLst>
           </p:cNvSpPr>
@@ -11149,7 +11149,7 @@
           <p:cNvSpPr txBox="1">
             <a:extLst>
               <a:ext uri="smNativeData">
-                <pr:smNativeData xmlns:pr="smNativeData" val="SMDATA_13_BbpsXRMAAAAlAAAAEgAAAA8BAAAAkAAAAEgAAACQAAAASAAAAAAAAAAAAAAAAAAAAAEAAABQAAAAAAAAAAAA4D8AAAAAAADgPwAAAAAAAOA/AAAAAAAA4D8AAAAAAADgPwAAAAAAAOA/AAAAAAAA4D8AAAAAAADgPwAAAAAAAOA/AAAAAAAA4D8CAAAAjAAAAAAAAAAAAAAAu+DjDP///wgAAAAAAAAAAAAAAAAAAAAAAAAAAAAAAAAAAAAAZAAAAAEAAABAAAAAAAAAAAAAAAAAAAAAAAAAAAAAAAAAAAAAAAAAAAAAAAAAAAAAAAAAAAAAAAAAAAAAAAAAAAAAAAAAAAAAAAAAAAAAAAAAAAAAAAAAAAAAAAAAAAAAFAAAADwAAAAAAAAAAAAAAAAAAAkUAAAAAQAAABQAAAAUAAAAFAAAAAEAAAAAAAAAZAAAAGQAAAAAAAAAZAAAAGQAAAAVAAAAYAAAAAAAAAAAAAAADwAAACADAAAAAAAAAAAAAAEAAACgMgAAVgcAAKr4//8BAAAAf39/AAEAAABkAAAAAAAAABQAAABAHwAAAAAAACYAAAAAAAAAwOD//wAAAAAmAAAAZAAAABYAAABMAAAAAAAAAAAAAAAEAAAAAAAAAAEAAACAgIAKAAAAACgAAAAoAAAAZAAAAGQAAAAAAAAAzMzMAAAAAABQAAAAUAAAAGQAAABkAAAAAAAAABcAAAAUAAAAAAAAANwIAAD/fwAA/38AAAAAAAAJAAAABAAAAAAAAAAMAAAAEAAAAAAAAAAAAAAAAAAAAAAAAAAeAAAAaAAAAAAAAAAAAAAAAAAAAAAAAAAAAAAAECcAABAnAAAAAAAAAAAAAAAAAAAAAAAAAAAAAAAAAAAAAAAAAAAAABQAAAAAAAAAwMD/AAAAAABkAAAAMgAAAAAAAABkAAAAAAAAAH9/fwAKAAAAHwAAAFQAAAC74OMF////AQAAAAAAAAAAAAAAAAAAAAAAAAAAAAAAAAAAAAAAAAAAAAAAAn9/fwCAgIADzMzMAMDA/wB/f38AAAAAAAAAAAAAAAAAAAAAAAAAAAAhAAAAGAAAABQAAABqBAAA1AgAABY0AADmHgAAAAAAACYAAAAIAAAA//////////8="/>
+                <pr:smNativeData xmlns:pr="smNativeData" val="SMDATA_13_IrKAXRMAAAAlAAAAEgAAAA8BAAAAkAAAAEgAAACQAAAASAAAAAAAAAAAAAAAAAAAAAEAAABQAAAAAAAAAAAA4D8AAAAAAADgPwAAAAAAAOA/AAAAAAAA4D8AAAAAAADgPwAAAAAAAOA/AAAAAAAA4D8AAAAAAADgPwAAAAAAAOA/AAAAAAAA4D8CAAAAjAAAAAAAAAAAAAAAu+DjDP///wgAAAAAAAAAAAAAAAAAAAAAAAAAAAAAAAAAAAAAZAAAAAEAAABAAAAAAAAAAAAAAAAAAAAAAAAAAAAAAAAAAAAAAAAAAAAAAAAAAAAAAAAAAAAAAAAAAAAAAAAAAAAAAAAAAAAAAAAAAAAAAAAAAAAAAAAAAAAAAAAAAAAAFAAAADwAAAAAAAAAAAAAAAAAAAkUAAAAAQAAABQAAAAUAAAAFAAAAAEAAAAAAAAAZAAAAGQAAAAAAAAAZAAAAGQAAAAVAAAAYAAAAAAAAAAAAAAADwAAACADAAAAAAAAAAAAAAEAAACgMgAAVgcAAKr4//8BAAAAf39/AAEAAABkAAAAAAAAABQAAABAHwAAAAAAACYAAAAAAAAAwOD//wAAAAAmAAAAZAAAABYAAABMAAAAAAAAAAAAAAAEAAAAAAAAAAEAAACAgIAKAAAAACgAAAAoAAAAZAAAAGQAAAAAAAAAzMzMAAAAAABQAAAAUAAAAGQAAABkAAAAAAAAABcAAAAUAAAAAAAAANwIAAD/fwAA/38AAAAAAAAJAAAABAAAAAAAAAAMAAAAEAAAAAAAAAAAAAAAAAAAAAAAAAAeAAAAaAAAAAAAAAAAAAAAAAAAAAAAAAAAAAAAECcAABAnAAAAAAAAAAAAAAAAAAAAAAAAAAAAAAAAAAAAAAAAAAAAABQAAAAAAAAAwMD/AAAAAABkAAAAMgAAAAAAAABkAAAAAAAAAH9/fwAKAAAAHwAAAFQAAAC74OMF////AQAAAAAAAAAAAAAAAAAAAAAAAAAAAAAAAAAAAAAAAAAAAAAAAn9/fwCAgIADzMzMAMDA/wB/f38AAAAAAAAAAAAAAAAAAAAAAAAAAAAhAAAAGAAAABQAAABqBAAA1AgAABY0AADmHgAAEAAAACYAAAAIAAAA//////////8="/>
               </a:ext>
             </a:extLst>
           </p:cNvSpPr>
@@ -11304,7 +11304,7 @@
           <p:cNvSpPr>
             <a:extLst>
               <a:ext uri="smNativeData">
-                <pr:smNativeData xmlns:pr="smNativeData" val="SMDATA_13_BbpsXRMAAAAlAAAAZAAAAA8BAAAAkAAAAEgAAACQAAAASAAAAAAAAAAAAAAAAAAAAAEAAABQAAAAAAAAAAAA4D8AAAAAAADgPwAAAAAAAOA/AAAAAAAA4D8AAAAAAADgPwAAAAAAAOA/AAAAAAAA4D8AAAAAAADgPwAAAAAAAOA/AAAAAAAA4D8CAAAAjAAAAAEAAAAAAAAAHh4eAP///wgAAAAAAAAAAAAAAAAAAAAAAAAAAAAAAAAAAAAAZAAAAAEAAABAAAAAAAAAAAAAAAAAAAAAAAAAAAAAAAAAAAAAAAAAAAAAAAAAAAAAAAAAAAAAAAAAAAAAAAAAAAAAAAAAAAAAAAAAAAAAAAAAAAAAAAAAAAAAAAAAAAAAFAAAADwAAAAAAAAAAAAAAAAAAAkAAAAAAQAAAAAAAAAAAAAAAAAAAAAAAAAAAAAAZAAAAGQAAAAAAAAAZAAAAGQAAAAVAAAAYAAAAAAAAAAAAAAADwAAACADAAAAAAAAAAAAAAEAAACgMgAAAAAAAAAAAAABAAAAf39/AAEAAABkAAAAAAAAABQAAABAHwAAAAAAACYAAAAAAAAAwOD//wAAAAAmAAAAZAAAABYAAABMAAAAAAAAAAAAAAAEAAAAAAAAAAEAAACAgIAKAAAAACgAAAAoAAAAZAAAAGQAAAAAAAAAzMzMAAAAAABQAAAAUAAAAGQAAABkAAAAAAAAABcAAAAUAAAAAAAAAAAAAAD/fwAA/38AAAAAAAAJAAAABAAAAAAAAAAMAAAAEAAAAAAAAAAAAAAAAAAAAAAAAAAeAAAAaAAAAAAAAAAAAAAAAAAAAAAAAAAAAAAAECcAABAnAAAAAAAAAAAAAAAAAAAAAAAAAAAAAAAAAAAAAAAAAAAAABQAAAAAAAAAwMD/AAAAAABkAAAAMgAAAAAAAABkAAAAAAAAAH9/fwAKAAAAHwAAAFQAAAAeHh4A////AQAAAAAAAAAAAAAAAAAAAAAAAAAAAAAAAAAAAAAAAAAAAAAAAn9/fwCAgIADzMzMAMDA/wB/f38AAAAAAAAAAAAAAAAAAAAAAAAAAAAhAAAAGAAAABQAAAAAAAAAZQcAAEA4AAC4CAAAEAAAACYAAAAIAAAA//////////8="/>
+                <pr:smNativeData xmlns:pr="smNativeData" val="SMDATA_13_IrKAXRMAAAAlAAAAZAAAAA8BAAAAkAAAAEgAAACQAAAASAAAAAAAAAAAAAAAAAAAAAEAAABQAAAAAAAAAAAA4D8AAAAAAADgPwAAAAAAAOA/AAAAAAAA4D8AAAAAAADgPwAAAAAAAOA/AAAAAAAA4D8AAAAAAADgPwAAAAAAAOA/AAAAAAAA4D8CAAAAjAAAAAEAAAAAAAAAHh4eAP///wgAAAAAAAAAAAAAAAAAAAAAAAAAAAAAAAAAAAAAZAAAAAEAAABAAAAAAAAAAAAAAAAAAAAAAAAAAAAAAAAAAAAAAAAAAAAAAAAAAAAAAAAAAAAAAAAAAAAAAAAAAAAAAAAAAAAAAAAAAAAAAAAAAAAAAAAAAAAAAAAAAAAAFAAAADwAAAAAAAAAAAAAAAAAAAkAAAAAAQAAAAAAAAAAAAAAAAAAAAAAAAAAAAAAZAAAAGQAAAAAAAAAZAAAAGQAAAAVAAAAYAAAAAAAAAAAAAAADwAAACADAAAAAAAAAAAAAAEAAACgMgAAAAAAAAAAAAABAAAAf39/AAEAAABkAAAAAAAAABQAAABAHwAAAAAAACYAAAAAAAAAwOD//wAAAAAmAAAAZAAAABYAAABMAAAAAAAAAAAAAAAEAAAAAAAAAAEAAACAgIAKAAAAACgAAAAoAAAAZAAAAGQAAAAAAAAAzMzMAAAAAABQAAAAUAAAAGQAAABkAAAAAAAAABcAAAAUAAAAAAAAAAAAAAD/fwAA/38AAAAAAAAJAAAABAAAAAAAAAAMAAAAEAAAAAAAAAAAAAAAAAAAAAAAAAAeAAAAaAAAAAAAAAAAAAAAAAAAAAAAAAAAAAAAECcAABAnAAAAAAAAAAAAAAAAAAAAAAAAAAAAAAAAAAAAAAAAAAAAABQAAAAAAAAAwMD/AAAAAABkAAAAMgAAAAAAAABkAAAAAAAAAH9/fwAKAAAAHwAAAFQAAAAeHh4A////AQAAAAAAAAAAAAAAAAAAAAAAAAAAAAAAAAAAAAAAAAAAAAAAAn9/fwCAgIADzMzMAMDA/wB/f38AAAAAAAAAAAAAAAAAAAAAAAAAAAAhAAAAGAAAABQAAAAAAAAAZQcAAEA4AAC4CAAAEAAAACYAAAAIAAAA//////////8="/>
               </a:ext>
             </a:extLst>
           </p:cNvSpPr>
@@ -11373,7 +11373,7 @@
           <p:cNvSpPr>
             <a:extLst>
               <a:ext uri="smNativeData">
-                <pr:smNativeData xmlns:pr="smNativeData" val="SMDATA_13_BbpsXRMAAAAlAAAAZAAAAA8BAAAAkAAAAEgAAACQAAAASAAAAAAAAAABAAAAAAAAAAEAAABQAAAAAAAAAAAA4D8AAAAAAADgPwAAAAAAAOA/AAAAAAAA4D8AAAAAAADgPwAAAAAAAOA/AAAAAAAA4D8AAAAAAADgPwAAAAAAAOA/AAAAAAAA4D8CAAAAjAAAAAAAAAAAAAAAu+DjDP///wgAAAAAAAAAAAAAAAAAAAAAAAAAAAAAAAAAAAAAZAAAAAEAAABAAAAAAAAAAAAAAAAAAAAAAAAAAAAAAAAAAAAAAAAAAAAAAAAAAAAAAAAAAAAAAAAAAAAAAAAAAAAAAAAAAAAAAAAAAAAAAAAAAAAAAAAAAAAAAAAAAAAAFAAAADwAAAAAAAAAAAAAAAAAAAkUAAAAAQAAABQAAAAUAAAAFAAAAAEAAAAAAAAAZAAAAGQAAAAAAAAAZAAAAGQAAAAVAAAAYAAAAAAAAAAAAAAADwAAACADAAAAAAAAAAAAAAEAAACgMgAAVgcAAKr4//8BAAAAf39/AAEAAABkAAAAAAAAABQAAABAHwAAAAAAACYAAAAAAAAAwOD//wAAAAAmAAAAZAAAABYAAABMAAAAAAAAAAAAAAAEAAAAAAAAAAEAAACAgIAKAAAAACgAAAAoAAAAZAAAAGQAAAAAAAAAzMzMAAAAAABQAAAAUAAAAGQAAABkAAAAAAAAABcAAAAUAAAAAAAAAAAAAAD/fwAA/38AAAAAAAAJAAAABAAAAGwYAAAMAAAAEAAAAAAAAAAAAAAAAAAAAAAAAAAeAAAAaAAAAAAAAAAAAAAAAAAAAAAAAAAAAAAAECcAABAnAAAAAAAAAAAAAAAAAAAAAAAAAAAAAAAAAAAAAAAAAAAAABQAAAAAAAAAwMD/AAAAAABkAAAAMgAAAAAAAABkAAAAAAAAAH9/fwAKAAAAHwAAAFQAAAC74OMF////AQAAAAAAAAAAAAAAAAAAAAAAAAAAAAAAAAAAAAAAAAAAAAAAAn9/fwCAgIADzMzMAMDA/wB/f38AAAAAAAAAAAAAAAAAAAAAAAAAAAAhAAAAGAAAABQAAABqBAAAiAMAABY0AAAoBwAAEAAAACYAAAAIAAAA//////////8="/>
+                <pr:smNativeData xmlns:pr="smNativeData" val="SMDATA_13_IrKAXRMAAAAlAAAAZAAAAA8BAAAAkAAAAEgAAACQAAAASAAAAAAAAAABAAAAAAAAAAEAAABQAAAAAAAAAAAA4D8AAAAAAADgPwAAAAAAAOA/AAAAAAAA4D8AAAAAAADgPwAAAAAAAOA/AAAAAAAA4D8AAAAAAADgPwAAAAAAAOA/AAAAAAAA4D8CAAAAjAAAAAAAAAAAAAAAu+DjDP///wgAAAAAAAAAAAAAAAAAAAAAAAAAAAAAAAAAAAAAZAAAAAEAAABAAAAAAAAAAAAAAAAAAAAAAAAAAAAAAAAAAAAAAAAAAAAAAAAAAAAAAAAAAAAAAAAAAAAAAAAAAAAAAAAAAAAAAAAAAAAAAAAAAAAAAAAAAAAAAAAAAAAAFAAAADwAAAAAAAAAAAAAAAAAAAkUAAAAAQAAABQAAAAUAAAAFAAAAAEAAAAAAAAAZAAAAGQAAAAAAAAAZAAAAGQAAAAVAAAAYAAAAAAAAAAAAAAADwAAACADAAAAAAAAAAAAAAEAAACgMgAAVgcAAKr4//8BAAAAf39/AAEAAABkAAAAAAAAABQAAABAHwAAAAAAACYAAAAAAAAAwOD//wAAAAAmAAAAZAAAABYAAABMAAAAAAAAAAAAAAAEAAAAAAAAAAEAAACAgIAKAAAAACgAAAAoAAAAZAAAAGQAAAAAAAAAzMzMAAAAAABQAAAAUAAAAGQAAABkAAAAAAAAABcAAAAUAAAAAAAAAAAAAAD/fwAA/38AAAAAAAAJAAAABAAAAGwYAAAMAAAAEAAAAAAAAAAAAAAAAAAAAAAAAAAeAAAAaAAAAAAAAAAAAAAAAAAAAAAAAAAAAAAAECcAABAnAAAAAAAAAAAAAAAAAAAAAAAAAAAAAAAAAAAAAAAAAAAAABQAAAAAAAAAwMD/AAAAAABkAAAAMgAAAAAAAABkAAAAAAAAAH9/fwAKAAAAHwAAAFQAAAC74OMF////AQAAAAAAAAAAAAAAAAAAAAAAAAAAAAAAAAAAAAAAAAAAAAAAAn9/fwCAgIADzMzMAMDA/wB/f38AAAAAAAAAAAAAAAAAAAAAAAAAAAAhAAAAGAAAABQAAABqBAAAiAMAABY0AAAoBwAAEAAAACYAAAAIAAAA//////////8="/>
               </a:ext>
             </a:extLst>
           </p:cNvSpPr>
@@ -11419,7 +11419,7 @@
           <p:cNvSpPr txBox="1">
             <a:extLst>
               <a:ext uri="smNativeData">
-                <pr:smNativeData xmlns:pr="smNativeData" val="SMDATA_13_BbpsXRMAAAAlAAAAEgAAAA8BAAAAkAAAAEgAAACQAAAASAAAAAAAAAAAAAAAAAAAAAEAAABQAAAAAAAAAAAA4D8AAAAAAADgPwAAAAAAAOA/AAAAAAAA4D8AAAAAAADgPwAAAAAAAOA/AAAAAAAA4D8AAAAAAADgPwAAAAAAAOA/AAAAAAAA4D8CAAAAjAAAAAAAAAAAAAAAu+DjDP///wgAAAAAAAAAAAAAAAAAAAAAAAAAAAAAAAAAAAAAZAAAAAEAAABAAAAAAAAAAAAAAAAAAAAAAAAAAAAAAAAAAAAAAAAAAAAAAAAAAAAAAAAAAAAAAAAAAAAAAAAAAAAAAAAAAAAAAAAAAAAAAAAAAAAAAAAAAAAAAAAAAAAAFAAAADwAAAAAAAAAAAAAAAAAAAkUAAAAAQAAABQAAAAUAAAAFAAAAAEAAAAAAAAAZAAAAGQAAAAAAAAAZAAAAGQAAAAVAAAAYAAAAAAAAAAAAAAADwAAACADAAAAAAAAAAAAAAEAAACgMgAAVgcAAKr4//8BAAAAf39/AAEAAABkAAAAAAAAABQAAABAHwAAAAAAACYAAAAAAAAAwOD//wAAAAAmAAAAZAAAABYAAABMAAAAAAAAAAAAAAAEAAAAAAAAAAEAAACAgIAKAAAAACgAAAAoAAAAZAAAAGQAAAAAAAAAzMzMAAAAAABQAAAAUAAAAGQAAABkAAAAAAAAABcAAAAUAAAAAAAAANwIAAD/fwAA/38AAAAAAAAJAAAABAAAAG0WAAAMAAAAEAAAAAAAAAAAAAAAAAAAAAAAAAAeAAAAaAAAAAAAAAAAAAAAAAAAAAAAAAAAAAAAECcAABAnAAAAAAAAAAAAAAAAAAAAAAAAAAAAAAAAAAAAAAAAAAAAABQAAAAAAAAAwMD/AAAAAABkAAAAMgAAAAAAAABkAAAAAAAAAH9/fwAKAAAAHwAAAFQAAAC74OMF////AQAAAAAAAAAAAAAAAAAAAAAAAAAAAAAAAAAAAAAAAAAAAAAAAn9/fwCAgIADzMzMAMDA/wB/f38AAAAAAAAAAAAAAAAAAAAAAAAAAAAhAAAAGAAAABQAAABqBAAA4QgAABY0AABAHAAAEAAAACYAAAAIAAAA//////////8="/>
+                <pr:smNativeData xmlns:pr="smNativeData" val="SMDATA_13_IrKAXRMAAAAlAAAAEgAAAA8BAAAAkAAAAEgAAACQAAAASAAAAAAAAAAAAAAAAAAAAAEAAABQAAAAAAAAAAAA4D8AAAAAAADgPwAAAAAAAOA/AAAAAAAA4D8AAAAAAADgPwAAAAAAAOA/AAAAAAAA4D8AAAAAAADgPwAAAAAAAOA/AAAAAAAA4D8CAAAAjAAAAAAAAAAAAAAAu+DjDP///wgAAAAAAAAAAAAAAAAAAAAAAAAAAAAAAAAAAAAAZAAAAAEAAABAAAAAAAAAAAAAAAAAAAAAAAAAAAAAAAAAAAAAAAAAAAAAAAAAAAAAAAAAAAAAAAAAAAAAAAAAAAAAAAAAAAAAAAAAAAAAAAAAAAAAAAAAAAAAAAAAAAAAFAAAADwAAAAAAAAAAAAAAAAAAAkUAAAAAQAAABQAAAAUAAAAFAAAAAEAAAAAAAAAZAAAAGQAAAAAAAAAZAAAAGQAAAAVAAAAYAAAAAAAAAAAAAAADwAAACADAAAAAAAAAAAAAAEAAACgMgAAVgcAAKr4//8BAAAAf39/AAEAAABkAAAAAAAAABQAAABAHwAAAAAAACYAAAAAAAAAwOD//wAAAAAmAAAAZAAAABYAAABMAAAAAAAAAAAAAAAEAAAAAAAAAAEAAACAgIAKAAAAACgAAAAoAAAAZAAAAGQAAAAAAAAAzMzMAAAAAABQAAAAUAAAAGQAAABkAAAAAAAAABcAAAAUAAAAAAAAANwIAAD/fwAA/38AAAAAAAAJAAAABAAAAG0WAAAMAAAAEAAAAAAAAAAAAAAAAAAAAAAAAAAeAAAAaAAAAAAAAAAAAAAAAAAAAAAAAAAAAAAAECcAABAnAAAAAAAAAAAAAAAAAAAAAAAAAAAAAAAAAAAAAAAAAAAAABQAAAAAAAAAwMD/AAAAAABkAAAAMgAAAAAAAABkAAAAAAAAAH9/fwAKAAAAHwAAAFQAAAC74OMF////AQAAAAAAAAAAAAAAAAAAAAAAAAAAAAAAAAAAAAAAAAAAAAAAAn9/fwCAgIADzMzMAMDA/wB/f38AAAAAAAAAAAAAAAAAAAAAAAAAAAAhAAAAGAAAABQAAABqBAAA4QgAABY0AABAHAAAEAAAACYAAAAIAAAA//////////8="/>
               </a:ext>
             </a:extLst>
           </p:cNvSpPr>
@@ -11455,25 +11455,6 @@
                 <a:cs typeface="Cabin SemiBold" pitchFamily="1" charset="0"/>
               </a:defRPr>
             </a:pPr>
-            <a:r>
-              <a:t>Runqueue is a single round Robin (list of tasks).</a:t>
-            </a:r>
-          </a:p>
-          <a:p>
-            <a:pPr>
-              <a:buNone/>
-              <a:defRPr>
-                <a:solidFill>
-                  <a:srgbClr val="EA2442"/>
-                </a:solidFill>
-                <a:latin typeface="Cabin SemiBold" pitchFamily="1" charset="0"/>
-                <a:ea typeface="Cabin SemiBold" pitchFamily="1" charset="0"/>
-                <a:cs typeface="Cabin SemiBold" pitchFamily="1" charset="0"/>
-              </a:defRPr>
-            </a:pPr>
-            <a:r>
-              <a:t>	- Multiple cores, single lock</a:t>
-            </a:r>
           </a:p>
           <a:p>
             <a:pPr>
@@ -11488,6 +11469,25 @@
                 <a:cs typeface="Cabin SemiBold" pitchFamily="1" charset="0"/>
               </a:defRPr>
             </a:pPr>
+            <a:r>
+              <a:t>Runqueue is a single round Robin (list of tasks).</a:t>
+            </a:r>
+          </a:p>
+          <a:p>
+            <a:pPr>
+              <a:buNone/>
+              <a:defRPr>
+                <a:solidFill>
+                  <a:srgbClr val="EA2442"/>
+                </a:solidFill>
+                <a:latin typeface="Cabin SemiBold" pitchFamily="1" charset="0"/>
+                <a:ea typeface="Cabin SemiBold" pitchFamily="1" charset="0"/>
+                <a:cs typeface="Cabin SemiBold" pitchFamily="1" charset="0"/>
+              </a:defRPr>
+            </a:pPr>
+            <a:r>
+              <a:t>	- Multiple cores, single lock</a:t>
+            </a:r>
           </a:p>
           <a:p>
             <a:pPr>
@@ -11502,6 +11502,20 @@
                 <a:cs typeface="Cabin SemiBold" pitchFamily="1" charset="0"/>
               </a:defRPr>
             </a:pPr>
+          </a:p>
+          <a:p>
+            <a:pPr>
+              <a:buFont typeface="Wingdings" pitchFamily="2" charset="2"/>
+              <a:buChar char=""/>
+              <a:defRPr>
+                <a:solidFill>
+                  <a:srgbClr val="1E1E1E"/>
+                </a:solidFill>
+                <a:latin typeface="Cabin SemiBold" pitchFamily="1" charset="0"/>
+                <a:ea typeface="Cabin SemiBold" pitchFamily="1" charset="0"/>
+                <a:cs typeface="Cabin SemiBold" pitchFamily="1" charset="0"/>
+              </a:defRPr>
+            </a:pPr>
             <a:r>
               <a:t>After all the tasks have used their time slices up, rescheduling happens</a:t>
             </a:r>
@@ -11592,7 +11606,7 @@
           <p:cNvSpPr>
             <a:extLst>
               <a:ext uri="smNativeData">
-                <pr:smNativeData xmlns:pr="smNativeData" val="SMDATA_13_BbpsXRMAAAAlAAAAZAAAAA8BAAAAkAAAAEgAAACQAAAASAAAAAAAAAAAAAAAAAAAAAEAAABQAAAAAAAAAAAA4D8AAAAAAADgPwAAAAAAAOA/AAAAAAAA4D8AAAAAAADgPwAAAAAAAOA/AAAAAAAA4D8AAAAAAADgPwAAAAAAAOA/AAAAAAAA4D8CAAAAjAAAAAEAAAAAAAAAHh4eAP///wgAAAAAAAAAAAAAAAAAAAAAAAAAAAAAAAAAAAAAZAAAAAEAAABAAAAAAAAAAAAAAAAAAAAAAAAAAAAAAAAAAAAAAAAAAAAAAAAAAAAAAAAAAAAAAAAAAAAAAAAAAAAAAAAAAAAAAAAAAAAAAAAAAAAAAAAAAAAAAAAAAAAAFAAAADwAAAAAAAAAAAAAAAAAAAkAAAAAAQAAAAAAAAAAAAAAAAAAAAAAAAAAAAAAZAAAAGQAAAAAAAAAZAAAAGQAAAAVAAAAYAAAAAAAAAAAAAAADwAAACADAAAAAAAAAAAAAAEAAACgMgAAAAAAAAAAAAABAAAAf39/AAEAAABkAAAAAAAAABQAAABAHwAAAAAAACYAAAAAAAAAwOD//wAAAAAmAAAAZAAAABYAAABMAAAAAAAAAAAAAAAEAAAAAAAAAAEAAACAgIAKAAAAACgAAAAoAAAAZAAAAGQAAAAAAAAAzMzMAAAAAABQAAAAUAAAAGQAAABkAAAAAAAAABcAAAAUAAAAAAAAAAAAAAD/fwAA/38AAAAAAAAJAAAABAAAAAAAAAAMAAAAEAAAAAAAAAAAAAAAAAAAAAAAAAAeAAAAaAAAAAAAAAAAAAAAAAAAAAAAAAAAAAAAECcAABAnAAAAAAAAAAAAAAAAAAAAAAAAAAAAAAAAAAAAAAAAAAAAABQAAAAAAAAAwMD/AAAAAABkAAAAMgAAAAAAAABkAAAAAAAAAH9/fwAKAAAAHwAAAFQAAAAeHh4A////AQAAAAAAAAAAAAAAAAAAAAAAAAAAAAAAAAAAAAAAAAAAAAAAAn9/fwCAgIADzMzMAMDA/wB/f38AAAAAAAAAAAAAAAAAAAAAAAAAAAAhAAAAGAAAABQAAAAAAAAAZQcAAEA4AAC4CAAAEAAAACYAAAAIAAAA//////////8="/>
+                <pr:smNativeData xmlns:pr="smNativeData" val="SMDATA_13_IrKAXRMAAAAlAAAAZAAAAA8BAAAAkAAAAEgAAACQAAAASAAAAAAAAAAAAAAAAAAAAAEAAABQAAAAAAAAAAAA4D8AAAAAAADgPwAAAAAAAOA/AAAAAAAA4D8AAAAAAADgPwAAAAAAAOA/AAAAAAAA4D8AAAAAAADgPwAAAAAAAOA/AAAAAAAA4D8CAAAAjAAAAAEAAAAAAAAAHh4eAP///wgAAAAAAAAAAAAAAAAAAAAAAAAAAAAAAAAAAAAAZAAAAAEAAABAAAAAAAAAAAAAAAAAAAAAAAAAAAAAAAAAAAAAAAAAAAAAAAAAAAAAAAAAAAAAAAAAAAAAAAAAAAAAAAAAAAAAAAAAAAAAAAAAAAAAAAAAAAAAAAAAAAAAFAAAADwAAAAAAAAAAAAAAAAAAAkAAAAAAQAAAAAAAAAAAAAAAAAAAAAAAAAAAAAAZAAAAGQAAAAAAAAAZAAAAGQAAAAVAAAAYAAAAAAAAAAAAAAADwAAACADAAAAAAAAAAAAAAEAAACgMgAAAAAAAAAAAAABAAAAf39/AAEAAABkAAAAAAAAABQAAABAHwAAAAAAACYAAAAAAAAAwOD//wAAAAAmAAAAZAAAABYAAABMAAAAAAAAAAAAAAAEAAAAAAAAAAEAAACAgIAKAAAAACgAAAAoAAAAZAAAAGQAAAAAAAAAzMzMAAAAAABQAAAAUAAAAGQAAABkAAAAAAAAABcAAAAUAAAAAAAAAAAAAAD/fwAA/38AAAAAAAAJAAAABAAAAAAAAAAMAAAAEAAAAAAAAAAAAAAAAAAAAAAAAAAeAAAAaAAAAAAAAAAAAAAAAAAAAAAAAAAAAAAAECcAABAnAAAAAAAAAAAAAAAAAAAAAAAAAAAAAAAAAAAAAAAAAAAAABQAAAAAAAAAwMD/AAAAAABkAAAAMgAAAAAAAABkAAAAAAAAAH9/fwAKAAAAHwAAAFQAAAAeHh4A////AQAAAAAAAAAAAAAAAAAAAAAAAAAAAAAAAAAAAAAAAAAAAAAAAn9/fwCAgIADzMzMAMDA/wB/f38AAAAAAAAAAAAAAAAAAAAAAAAAAAAhAAAAGAAAABQAAAAAAAAAZQcAAEA4AAC4CAAAEAAAACYAAAAIAAAA//////////8="/>
               </a:ext>
             </a:extLst>
           </p:cNvSpPr>
@@ -11661,7 +11675,7 @@
           <p:cNvSpPr>
             <a:extLst>
               <a:ext uri="smNativeData">
-                <pr:smNativeData xmlns:pr="smNativeData" val="SMDATA_13_BbpsXRMAAAAlAAAAZAAAAA8BAAAAkAAAAEgAAACQAAAASAAAAAAAAAABAAAAAAAAAAEAAABQAAAAAAAAAAAA4D8AAAAAAADgPwAAAAAAAOA/AAAAAAAA4D8AAAAAAADgPwAAAAAAAOA/AAAAAAAA4D8AAAAAAADgPwAAAAAAAOA/AAAAAAAA4D8CAAAAjAAAAAAAAAAAAAAAu+DjDP///wgAAAAAAAAAAAAAAAAAAAAAAAAAAAAAAAAAAAAAZAAAAAEAAABAAAAAAAAAAAAAAAAAAAAAAAAAAAAAAAAAAAAAAAAAAAAAAAAAAAAAAAAAAAAAAAAAAAAAAAAAAAAAAAAAAAAAAAAAAAAAAAAAAAAAAAAAAAAAAAAAAAAAFAAAADwAAAAAAAAAAAAAAAAAAAkUAAAAAQAAABQAAAAUAAAAFAAAAAEAAAAAAAAAZAAAAGQAAAAAAAAAZAAAAGQAAAAVAAAAYAAAAAAAAAAAAAAADwAAACADAAAAAAAAAAAAAAEAAACgMgAAVgcAAKr4//8BAAAAf39/AAEAAABkAAAAAAAAABQAAABAHwAAAAAAACYAAAAAAAAAwOD//wAAAAAmAAAAZAAAABYAAABMAAAAAAAAAAAAAAAEAAAAAAAAAAEAAACAgIAKAAAAACgAAAAoAAAAZAAAAGQAAAAAAAAAzMzMAAAAAABQAAAAUAAAAGQAAABkAAAAAAAAABcAAAAUAAAAAAAAAAAAAAD/fwAA/38AAAAAAAAJAAAABAAAAPCptwMMAAAAEAAAAAAAAAAAAAAAAAAAAAAAAAAeAAAAaAAAAAAAAAAAAAAAAAAAAAAAAAAAAAAAECcAABAnAAAAAAAAAAAAAAAAAAAAAAAAAAAAAAAAAAAAAAAAAAAAABQAAAAAAAAAwMD/AAAAAABkAAAAMgAAAAAAAABkAAAAAAAAAH9/fwAKAAAAHwAAAFQAAAC74OMF////AQAAAAAAAAAAAAAAAAAAAAAAAAAAAAAAAAAAAAAAAAAAAAAAAn9/fwCAgIADzMzMAMDA/wB/f38AAAAAAAAAAAAAAAAAAAAAAAAAAAAhAAAAGAAAABQAAABqBAAAiAMAABY0AAAoBwAAEAAAACYAAAAIAAAA//////////8="/>
+                <pr:smNativeData xmlns:pr="smNativeData" val="SMDATA_13_IrKAXRMAAAAlAAAAZAAAAA8BAAAAkAAAAEgAAACQAAAASAAAAAAAAAABAAAAAAAAAAEAAABQAAAAAAAAAAAA4D8AAAAAAADgPwAAAAAAAOA/AAAAAAAA4D8AAAAAAADgPwAAAAAAAOA/AAAAAAAA4D8AAAAAAADgPwAAAAAAAOA/AAAAAAAA4D8CAAAAjAAAAAAAAAAAAAAAu+DjDP///wgAAAAAAAAAAAAAAAAAAAAAAAAAAAAAAAAAAAAAZAAAAAEAAABAAAAAAAAAAAAAAAAAAAAAAAAAAAAAAAAAAAAAAAAAAAAAAAAAAAAAAAAAAAAAAAAAAAAAAAAAAAAAAAAAAAAAAAAAAAAAAAAAAAAAAAAAAAAAAAAAAAAAFAAAADwAAAAAAAAAAAAAAAAAAAkUAAAAAQAAABQAAAAUAAAAFAAAAAEAAAAAAAAAZAAAAGQAAAAAAAAAZAAAAGQAAAAVAAAAYAAAAAAAAAAAAAAADwAAACADAAAAAAAAAAAAAAEAAACgMgAAVgcAAKr4//8BAAAAf39/AAEAAABkAAAAAAAAABQAAABAHwAAAAAAACYAAAAAAAAAwOD//wAAAAAmAAAAZAAAABYAAABMAAAAAAAAAAAAAAAEAAAAAAAAAAEAAACAgIAKAAAAACgAAAAoAAAAZAAAAGQAAAAAAAAAzMzMAAAAAABQAAAAUAAAAGQAAABkAAAAAAAAABcAAAAUAAAAAAAAAAAAAAD/fwAA/38AAAAAAAAJAAAABAAAAPCptwMMAAAAEAAAAAAAAAAAAAAAAAAAAAAAAAAeAAAAaAAAAAAAAAAAAAAAAAAAAAAAAAAAAAAAECcAABAnAAAAAAAAAAAAAAAAAAAAAAAAAAAAAAAAAAAAAAAAAAAAABQAAAAAAAAAwMD/AAAAAABkAAAAMgAAAAAAAABkAAAAAAAAAH9/fwAKAAAAHwAAAFQAAAC74OMF////AQAAAAAAAAAAAAAAAAAAAAAAAAAAAAAAAAAAAAAAAAAAAAAAAn9/fwCAgIADzMzMAMDA/wB/f38AAAAAAAAAAAAAAAAAAAAAAAAAAAAhAAAAGAAAABQAAABqBAAAiAMAABY0AAAoBwAAEAAAACYAAAAIAAAA//////////8="/>
               </a:ext>
             </a:extLst>
           </p:cNvSpPr>
@@ -11707,7 +11721,7 @@
           <p:cNvSpPr txBox="1">
             <a:extLst>
               <a:ext uri="smNativeData">
-                <pr:smNativeData xmlns:pr="smNativeData" val="SMDATA_13_BbpsXRMAAAAlAAAAEgAAAA8BAAAAkAAAAEgAAACQAAAASAAAAAAAAAAAAAAAAAAAAAEAAABQAAAAAAAAAAAA4D8AAAAAAADgPwAAAAAAAOA/AAAAAAAA4D8AAAAAAADgPwAAAAAAAOA/AAAAAAAA4D8AAAAAAADgPwAAAAAAAOA/AAAAAAAA4D8CAAAAjAAAAAAAAAAAAAAAu+DjDP///wgAAAAAAAAAAAAAAAAAAAAAAAAAAAAAAAAAAAAAZAAAAAEAAABAAAAAAAAAAAAAAAAAAAAAAAAAAAAAAAAAAAAAAAAAAAAAAAAAAAAAAAAAAAAAAAAAAAAAAAAAAAAAAAAAAAAAAAAAAAAAAAAAAAAAAAAAAAAAAAAAAAAAFAAAADwAAAAAAAAAAAAAAAAAAAkUAAAAAQAAABQAAAAUAAAAFAAAAAEAAAAAAAAAZAAAAGQAAAAAAAAAZAAAAGQAAAAVAAAAYAAAAAAAAAAAAAAADwAAACADAAAAAAAAAAAAAAEAAACgMgAAVgcAAKr4//8BAAAAf39/AAEAAABkAAAAAAAAABQAAABAHwAAAAAAACYAAAAAAAAAwOD//wAAAAAmAAAAZAAAABYAAABMAAAAAAAAAAAAAAAEAAAAAAAAAAEAAACAgIAKAAAAACgAAAAoAAAAZAAAAGQAAAAAAAAAzMzMAAAAAABQAAAAUAAAAGQAAABkAAAAAAAAABcAAAAUAAAAAAAAANwIAAD/fwAA/38AAAAAAAAJAAAABAAAAIwXAAAMAAAAEAAAAAAAAAAAAAAAAAAAAAAAAAAeAAAAaAAAAAAAAAAAAAAAAAAAAAAAAAAAAAAAECcAABAnAAAAAAAAAAAAAAAAAAAAAAAAAAAAAAAAAAAAAAAAAAAAABQAAAAAAAAAwMD/AAAAAABkAAAAMgAAAAAAAABkAAAAAAAAAH9/fwAKAAAAHwAAAFQAAAC74OMF////AQAAAAAAAAAAAAAAAAAAAAAAAAAAAAAAAAAAAAAAAAAAAAAAAn9/fwCAgIADzMzMAMDA/wB/f38AAAAAAAAAAAAAAAAAAAAAAAAAAAAhAAAAGAAAABQAAABqBAAA4QgAABY0AABtEAAAEAAAACYAAAAIAAAA//////////8="/>
+                <pr:smNativeData xmlns:pr="smNativeData" val="SMDATA_13_IrKAXRMAAAAlAAAAEgAAAA8BAAAAkAAAAEgAAACQAAAASAAAAAAAAAAAAAAAAAAAAAEAAABQAAAAAAAAAAAA4D8AAAAAAADgPwAAAAAAAOA/AAAAAAAA4D8AAAAAAADgPwAAAAAAAOA/AAAAAAAA4D8AAAAAAADgPwAAAAAAAOA/AAAAAAAA4D8CAAAAjAAAAAAAAAAAAAAAu+DjDP///wgAAAAAAAAAAAAAAAAAAAAAAAAAAAAAAAAAAAAAZAAAAAEAAABAAAAAAAAAAAAAAAAAAAAAAAAAAAAAAAAAAAAAAAAAAAAAAAAAAAAAAAAAAAAAAAAAAAAAAAAAAAAAAAAAAAAAAAAAAAAAAAAAAAAAAAAAAAAAAAAAAAAAFAAAADwAAAAAAAAAAAAAAAAAAAkUAAAAAQAAABQAAAAUAAAAFAAAAAEAAAAAAAAAZAAAAGQAAAAAAAAAZAAAAGQAAAAVAAAAYAAAAAAAAAAAAAAADwAAACADAAAAAAAAAAAAAAEAAACgMgAAVgcAAKr4//8BAAAAf39/AAEAAABkAAAAAAAAABQAAABAHwAAAAAAACYAAAAAAAAAwOD//wAAAAAmAAAAZAAAABYAAABMAAAAAAAAAAAAAAAEAAAAAAAAAAEAAACAgIAKAAAAACgAAAAoAAAAZAAAAGQAAAAAAAAAzMzMAAAAAABQAAAAUAAAAGQAAABkAAAAAAAAABcAAAAUAAAAAAAAANwIAAD/fwAA/38AAAAAAAAJAAAABAAAAIwXAAAMAAAAEAAAAAAAAAAAAAAAAAAAAAAAAAAeAAAAaAAAAAAAAAAAAAAAAAAAAAAAAAAAAAAAECcAABAnAAAAAAAAAAAAAAAAAAAAAAAAAAAAAAAAAAAAAAAAAAAAABQAAAAAAAAAwMD/AAAAAABkAAAAMgAAAAAAAABkAAAAAAAAAH9/fwAKAAAAHwAAAFQAAAC74OMF////AQAAAAAAAAAAAAAAAAAAAAAAAAAAAAAAAAAAAAAAAAAAAAAAAn9/fwCAgIADzMzMAMDA/wB/f38AAAAAAAAAAAAAAAAAAAAAAAAAAAAhAAAAGAAAABQAAABqBAAA4QgAABY0AABtEAAAEAAAACYAAAAIAAAA//////////8="/>
               </a:ext>
             </a:extLst>
           </p:cNvSpPr>
@@ -11795,7 +11809,7 @@
           <p:cNvSpPr>
             <a:extLst>
               <a:ext uri="smNativeData">
-                <pr:smNativeData xmlns:pr="smNativeData" val="SMDATA_13_BbpsXRMAAAAlAAAAZAAAAA8BAAAAkAAAAEgAAACQAAAASAAAAAAAAAAAAAAAAAAAAAEAAABQAAAAAAAAAAAA4D8AAAAAAADgPwAAAAAAAOA/AAAAAAAA4D8AAAAAAADgPwAAAAAAAOA/AAAAAAAA4D8AAAAAAADgPwAAAAAAAOA/AAAAAAAA4D8CAAAAjAAAAAEAAAAAAAAAubm5AP///wgAAAAAAAAAAAAAAAAAAAAAAAAAAAAAAAAAAAAAZAAAAAEAAABAAAAAAAAAAAAAAAAAAAAAAAAAAAAAAAAAAAAAAAAAAAAAAAAAAAAAAAAAAAAAAAAAAAAAAAAAAAAAAAAAAAAAAAAAAAAAAAAAAAAAAAAAAAAAAAAAAAAAFAAAADwAAAABAAAAAAAAAB4eHgA8AAAAAQAAAAMAAAAAAAAAAAAAAAAAAAAAAAAAZAAAAGQAAAAAAAAAZAAAAGQAAAAVAAAAYAAAAAAAAAAAAAAADwAAACADAAAAAAAAAAAAAAEAAACgMgAAAAAAAAAAAAABAAAAf39/AAEAAABkAAAAAAAAABQAAABAHwAAAAAAACYAAAAAAAAAwOD//wAAAAAmAAAAZAAAABYAAABMAAAAAAAAAAAAAAAEAAAAAAAAAAEAAACAgIAKAAAAACgAAAAoAAAAZAAAAGQAAAAAAAAAzMzMAAAAAABQAAAAUAAAAGQAAABkAAAAAAAAABcAAAAUAAAAAAAAAAAAAAD/fwAA/38AAAAAAAAJAAAABAAAAPCptwMMAAAAEAAAAAAAAAAAAAAAAAAAAAAAAAAeAAAAaAAAAAAAAAAAAAAAAAAAAAAAAAAAAAAAECcAABAnAAAAAAAAAAAAAAAAAAAAAAAAAAAAAAAAAAAAAAAAAAAAABQAAAAAAAAAwMD/AAAAAABkAAAAMgAAAAAAAABkAAAAAAAAAH9/fwAKAAAAHwAAAFQAAAC5ubkA////AQAAAAAAAAAAAAAAAAAAAAAAAAAAAAAAAAAAAAAAAAAAHh4eAH9/fwCAgIADzMzMAMDA/wB/f38AAAAAAAAAAAAAAAAAAAAAAAAAAAAhAAAAGAAAABQAAAB6CwAAExMAAAsaAAAlKQAAEAAAACYAAAAIAAAA//////////8="/>
+                <pr:smNativeData xmlns:pr="smNativeData" val="SMDATA_13_IrKAXRMAAAAlAAAAZAAAAA8BAAAAkAAAAEgAAACQAAAASAAAAAAAAAAAAAAAAAAAAAEAAABQAAAAAAAAAAAA4D8AAAAAAADgPwAAAAAAAOA/AAAAAAAA4D8AAAAAAADgPwAAAAAAAOA/AAAAAAAA4D8AAAAAAADgPwAAAAAAAOA/AAAAAAAA4D8CAAAAjAAAAAEAAAAAAAAAubm5AP///wgAAAAAAAAAAAAAAAAAAAAAAAAAAAAAAAAAAAAAZAAAAAEAAABAAAAAAAAAAAAAAAAAAAAAAAAAAAAAAAAAAAAAAAAAAAAAAAAAAAAAAAAAAAAAAAAAAAAAAAAAAAAAAAAAAAAAAAAAAAAAAAAAAAAAAAAAAAAAAAAAAAAAFAAAADwAAAABAAAAAAAAAB4eHgA8AAAAAQAAAAMAAAAAAAAAAAAAAAAAAAAAAAAAZAAAAGQAAAAAAAAAZAAAAGQAAAAVAAAAYAAAAAAAAAAAAAAADwAAACADAAAAAAAAAAAAAAEAAACgMgAAAAAAAAAAAAABAAAAf39/AAEAAABkAAAAAAAAABQAAABAHwAAAAAAACYAAAAAAAAAwOD//wAAAAAmAAAAZAAAABYAAABMAAAAAAAAAAAAAAAEAAAAAAAAAAEAAACAgIAKAAAAACgAAAAoAAAAZAAAAGQAAAAAAAAAzMzMAAAAAABQAAAAUAAAAGQAAABkAAAAAAAAABcAAAAUAAAAAAAAAAAAAAD/fwAA/38AAAAAAAAJAAAABAAAAPCptwMMAAAAEAAAAAAAAAAAAAAAAAAAAAAAAAAeAAAAaAAAAAAAAAAAAAAAAAAAAAAAAAAAAAAAECcAABAnAAAAAAAAAAAAAAAAAAAAAAAAAAAAAAAAAAAAAAAAAAAAABQAAAAAAAAAwMD/AAAAAABkAAAAMgAAAAAAAABkAAAAAAAAAH9/fwAKAAAAHwAAAFQAAAC5ubkA////AQAAAAAAAAAAAAAAAAAAAAAAAAAAAAAAAAAAAAAAAAAAHh4eAH9/fwCAgIADzMzMAMDA/wB/f38AAAAAAAAAAAAAAAAAAAAAAAAAAAAhAAAAGAAAABQAAAB6CwAAExMAAAsaAAAlKQAAEAAAACYAAAAIAAAA//////////8="/>
               </a:ext>
             </a:extLst>
           </p:cNvSpPr>
@@ -11829,7 +11843,7 @@
           <p:cNvSpPr>
             <a:extLst>
               <a:ext uri="smNativeData">
-                <pr:smNativeData xmlns:pr="smNativeData" val="SMDATA_13_BbpsXRMAAAAlAAAAZAAAAA8BAAAAkAAAAEgAAACQAAAASAAAAAAAAAAAAAAAAAAAAAEAAABQAAAAAAAAAAAA4D8AAAAAAADgPwAAAAAAAOA/AAAAAAAA4D8AAAAAAADgPwAAAAAAAOA/AAAAAAAA4D8AAAAAAADgPwAAAAAAAOA/AAAAAAAA4D8CAAAAjAAAAAEAAAAAAAAA0+qqAP///wgAAAAAAAAAAAAAAAAAAAAAAAAAAAAAAAAAAAAAZAAAAAEAAABAAAAAAAAAAAAAAAAAAAAAAAAAAAAAAAAAAAAAAAAAAAAAAAAAAAAAAAAAAAAAAAAAAAAAAAAAAAAAAAAAAAAAAAAAAAAAAAAAAAAAAAAAAAAAAAAAAAAAFAAAADwAAAABAAAAAAAAAB4eHgA8AAAAAQAAAAMAAAAAAAAAAAAAAAAAAAAAAAAAZAAAAGQAAAAAAAAAZAAAAGQAAAAVAAAAYAAAAAAAAAAAAAAADwAAACADAAAAAAAAAAAAAAEAAACgMgAAAAAAAAAAAAABAAAAf39/AAEAAABkAAAAAAAAABQAAABAHwAAAAAAACYAAAAAAAAAwOD//wAAAAAmAAAAZAAAABYAAABMAAAAAAAAAAAAAAAEAAAAAAAAAAEAAACAgIAKAAAAACgAAAAoAAAAZAAAAGQAAAAAAAAAzMzMAAAAAABQAAAAUAAAAGQAAABkAAAAAAAAABcAAAAUAAAAAAAAAAAAAAD/fwAA/38AAAAAAAAJAAAABAAAAHlsZT4MAAAAEAAAAAAAAAAAAAAAAAAAAAAAAAAeAAAAaAAAAAAAAAAAAAAAAAAAAAAAAAAAAAAAECcAABAnAAAAAAAAAAAAAAAAAAAAAAAAAAAAAAAAAAAAAAAAAAAAABQAAAAAAAAAwMD/AAAAAABkAAAAMgAAAAAAAABkAAAAAAAAAH9/fwAKAAAAHwAAAFQAAADT6qoA////AQAAAAAAAAAAAAAAAAAAAAAAAAAAAAAAAAAAAAAAAAAAHh4eAH9/fwCAgIADzMzMAMDA/wB/f38AAAAAAAAAAAAAAAAAAAAAAAAAAAAhAAAAGAAAABQAAADmHgAAExMAAHctAAAlKQAAEAAAACYAAAAIAAAA//////////8="/>
+                <pr:smNativeData xmlns:pr="smNativeData" val="SMDATA_13_IrKAXRMAAAAlAAAAZAAAAA8BAAAAkAAAAEgAAACQAAAASAAAAAAAAAAAAAAAAAAAAAEAAABQAAAAAAAAAAAA4D8AAAAAAADgPwAAAAAAAOA/AAAAAAAA4D8AAAAAAADgPwAAAAAAAOA/AAAAAAAA4D8AAAAAAADgPwAAAAAAAOA/AAAAAAAA4D8CAAAAjAAAAAEAAAAAAAAA0+qqAP///wgAAAAAAAAAAAAAAAAAAAAAAAAAAAAAAAAAAAAAZAAAAAEAAABAAAAAAAAAAAAAAAAAAAAAAAAAAAAAAAAAAAAAAAAAAAAAAAAAAAAAAAAAAAAAAAAAAAAAAAAAAAAAAAAAAAAAAAAAAAAAAAAAAAAAAAAAAAAAAAAAAAAAFAAAADwAAAABAAAAAAAAAB4eHgA8AAAAAQAAAAMAAAAAAAAAAAAAAAAAAAAAAAAAZAAAAGQAAAAAAAAAZAAAAGQAAAAVAAAAYAAAAAAAAAAAAAAADwAAACADAAAAAAAAAAAAAAEAAACgMgAAAAAAAAAAAAABAAAAf39/AAEAAABkAAAAAAAAABQAAABAHwAAAAAAACYAAAAAAAAAwOD//wAAAAAmAAAAZAAAABYAAABMAAAAAAAAAAAAAAAEAAAAAAAAAAEAAACAgIAKAAAAACgAAAAoAAAAZAAAAGQAAAAAAAAAzMzMAAAAAABQAAAAUAAAAGQAAABkAAAAAAAAABcAAAAUAAAAAAAAAAAAAAD/fwAA/38AAAAAAAAJAAAABAAAAHlsZT4MAAAAEAAAAAAAAAAAAAAAAAAAAAAAAAAeAAAAaAAAAAAAAAAAAAAAAAAAAAAAAAAAAAAAECcAABAnAAAAAAAAAAAAAAAAAAAAAAAAAAAAAAAAAAAAAAAAAAAAABQAAAAAAAAAwMD/AAAAAABkAAAAMgAAAAAAAABkAAAAAAAAAH9/fwAKAAAAHwAAAFQAAADT6qoA////AQAAAAAAAAAAAAAAAAAAAAAAAAAAAAAAAAAAAAAAAAAAHh4eAH9/fwCAgIADzMzMAMDA/wB/f38AAAAAAAAAAAAAAAAAAAAAAAAAAAAhAAAAGAAAABQAAADmHgAAExMAAHctAAAlKQAAEAAAACYAAAAIAAAA//////////8="/>
               </a:ext>
             </a:extLst>
           </p:cNvSpPr>
@@ -11863,7 +11877,7 @@
           <p:cNvSpPr txBox="1">
             <a:extLst>
               <a:ext uri="smNativeData">
-                <pr:smNativeData xmlns:pr="smNativeData" val="SMDATA_13_BbpsXRMAAAAlAAAAEgAAAE8BAAAAkAAAAEgAAACQAAAASAAAAAAAAAAAAAAAAAAAAAEAAABQAAAAAAAAAAAA4D8AAAAAAADgPwAAAAAAAOA/AAAAAAAA4D8AAAAAAADgPwAAAAAAAOA/AAAAAAAA4D8AAAAAAADgPwAAAAAAAOA/AAAAAAAA4D8CAAAAjAAAAAAAAAAAAAAAu+DjDP///wgAAAAAAAAAAAAAAAAAAAAAAAAAAAAAAAAAAAAAZAAAAAEAAABAAAAAAAAAAAAAAAAAAAAAAAAAAAAAAAAAAAAAAAAAAAAAAAAAAAAAAAAAAAAAAAAAAAAAAAAAAAAAAAAAAAAAAAAAAAAAAAAAAAAAAAAAAAAAAAAAAAAAFAAAADwAAAAAAAAAAAAAAAAAAAkUAAAAAQAAABQAAAAUAAAAFAAAAAEAAAAAAAAAZAAAAGQAAAAAAAAAZAAAAGQAAAAVAAAAYAAAAAAAAAAAAAAADwAAACADAAAAAAAAAAAAAAEAAACgMgAAVgcAAKr4//8BAAAAf39/AAEAAABkAAAAAAAAABQAAABAHwAAAAAAACYAAAAAAAAAwOD//wAAAAAmAAAAZAAAABYAAABMAAAAAAAAAAAAAAAEAAAAAAAAAAEAAACAgIAKAAAAACgAAAAoAAAAZAAAAGQAAAAAAAAAzMzMAAAAAABQAAAAUAAAAGQAAABkAAAAAAAAABcAAAAUAAAAAAAAANwIAAD/fwAA/38AAAAAAAAJAAAABAAAAEFBQUIMAAAAEAAAAAAAAAAAAAAAAAAAAAAAAAAeAAAAaAAAAAAAAAAAAAAAAAAAAAAAAAAAAAAAECcAABAnAAAAAAAAAAAAAAAAAAAAAAAAAAAAAAAAAAAAAAAAAAAAABQAAAAAAAAAwMD/AAAAAABkAAAAMgAAAAAAAABkAAAAAAAAAH9/fwAKAAAAHwAAAFQAAAC74OMF////AQAAAAAAAAAAAAAAAAAAAAAAAAAAAAAAAAAAAAAAAAAAAAAAAn9/fwCAgIADzMzMAMDA/wB/f38AAAAAAAAAAAAAAAAAAAAAAAAAAAAhAAAAGAAAABQAAAByCwAA0xAAAAsaAAATEwAAECAAACYAAAAIAAAA//////////8="/>
+                <pr:smNativeData xmlns:pr="smNativeData" val="SMDATA_13_IrKAXRMAAAAlAAAAEgAAAE8BAAAAkAAAAEgAAACQAAAASAAAAAAAAAAAAAAAAAAAAAEAAABQAAAAAAAAAAAA4D8AAAAAAADgPwAAAAAAAOA/AAAAAAAA4D8AAAAAAADgPwAAAAAAAOA/AAAAAAAA4D8AAAAAAADgPwAAAAAAAOA/AAAAAAAA4D8CAAAAjAAAAAAAAAAAAAAAu+DjDP///wgAAAAAAAAAAAAAAAAAAAAAAAAAAAAAAAAAAAAAZAAAAAEAAABAAAAAAAAAAAAAAAAAAAAAAAAAAAAAAAAAAAAAAAAAAAAAAAAAAAAAAAAAAAAAAAAAAAAAAAAAAAAAAAAAAAAAAAAAAAAAAAAAAAAAAAAAAAAAAAAAAAAAFAAAADwAAAAAAAAAAAAAAAAAAAkUAAAAAQAAABQAAAAUAAAAFAAAAAEAAAAAAAAAZAAAAGQAAAAAAAAAZAAAAGQAAAAVAAAAYAAAAAAAAAAAAAAADwAAACADAAAAAAAAAAAAAAEAAACgMgAAVgcAAKr4//8BAAAAf39/AAEAAABkAAAAAAAAABQAAABAHwAAAAAAACYAAAAAAAAAwOD//wAAAAAmAAAAZAAAABYAAABMAAAAAAAAAAAAAAAEAAAAAAAAAAEAAACAgIAKAAAAACgAAAAoAAAAZAAAAGQAAAAAAAAAzMzMAAAAAABQAAAAUAAAAGQAAABkAAAAAAAAABcAAAAUAAAAAAAAANwIAAD/fwAA/38AAAAAAAAJAAAABAAAAEFBQUIMAAAAEAAAAAAAAAAAAAAAAAAAAAAAAAAeAAAAaAAAAAAAAAAAAAAAAAAAAAAAAAAAAAAAECcAABAnAAAAAAAAAAAAAAAAAAAAAAAAAAAAAAAAAAAAAAAAAAAAABQAAAAAAAAAwMD/AAAAAABkAAAAMgAAAAAAAABkAAAAAAAAAH9/fwAKAAAAHwAAAFQAAAC74OMF////AQAAAAAAAAAAAAAAAAAAAAAAAAAAAAAAAAAAAAAAAAAAAAAAAn9/fwCAgIADzMzMAMDA/wB/f38AAAAAAAAAAAAAAAAAAAAAAAAAAAAhAAAAGAAAABQAAAByCwAA0xAAAAsaAAATEwAAECAAACYAAAAIAAAA//////////8="/>
               </a:ext>
             </a:extLst>
           </p:cNvSpPr>
@@ -11909,7 +11923,7 @@
           <p:cNvSpPr txBox="1">
             <a:extLst>
               <a:ext uri="smNativeData">
-                <pr:smNativeData xmlns:pr="smNativeData" val="SMDATA_13_BbpsXRMAAAAlAAAAEgAAAE8BAAAAkAAAAEgAAACQAAAASAAAAAAAAAAAAAAAAAAAAAEAAABQAAAAAAAAAAAA4D8AAAAAAADgPwAAAAAAAOA/AAAAAAAA4D8AAAAAAADgPwAAAAAAAOA/AAAAAAAA4D8AAAAAAADgPwAAAAAAAOA/AAAAAAAA4D8CAAAAjAAAAAAAAAAAAAAAu+DjDP///wgAAAAAAAAAAAAAAAAAAAAAAAAAAAAAAAAAAAAAZAAAAAEAAABAAAAAAAAAAAAAAAAAAAAAAAAAAAAAAAAAAAAAAAAAAAAAAAAAAAAAAAAAAAAAAAAAAAAAAAAAAAAAAAAAAAAAAAAAAAAAAAAAAAAAAAAAAAAAAAAAAAAAFAAAADwAAAAAAAAAAAAAAAAAAAkUAAAAAQAAABQAAAAUAAAAFAAAAAEAAAAAAAAAZAAAAGQAAAAAAAAAZAAAAGQAAAAVAAAAYAAAAAAAAAAAAAAADwAAACADAAAAAAAAAAAAAAEAAACgMgAAVgcAAKr4//8BAAAAf39/AAEAAABkAAAAAAAAABQAAABAHwAAAAAAACYAAAAAAAAAwOD//wAAAAAmAAAAZAAAABYAAABMAAAAAAAAAAAAAAAEAAAAAAAAAAEAAACAgIAKAAAAACgAAAAoAAAAZAAAAGQAAAAAAAAAzMzMAAAAAABQAAAAUAAAAGQAAABkAAAAAAAAABcAAAAUAAAAAAAAANwIAAD/fwAA/38AAAAAAAAJAAAABAAAAPCptwMMAAAAEAAAAAAAAAAAAAAAAAAAAAAAAAAeAAAAaAAAAAAAAAAAAAAAAAAAAAAAAAAAAAAAECcAABAnAAAAAAAAAAAAAAAAAAAAAAAAAAAAAAAAAAAAAAAAAAAAABQAAAAAAAAAwMD/AAAAAABkAAAAMgAAAAAAAABkAAAAAAAAAH9/fwAKAAAAHwAAAFQAAAC74OMF////AQAAAAAAAAAAAAAAAAAAAAAAAAAAAAAAAAAAAAAAAAAAAAAAAn9/fwCAgIADzMzMAMDA/wB/f38AAAAAAAAAAAAAAAAAAAAAAAAAAAAhAAAAGAAAABQAAADeHgAA0xAAAHctAAATEwAAECAAACYAAAAIAAAA//////////8="/>
+                <pr:smNativeData xmlns:pr="smNativeData" val="SMDATA_13_IrKAXRMAAAAlAAAAEgAAAE8BAAAAkAAAAEgAAACQAAAASAAAAAAAAAAAAAAAAAAAAAEAAABQAAAAAAAAAAAA4D8AAAAAAADgPwAAAAAAAOA/AAAAAAAA4D8AAAAAAADgPwAAAAAAAOA/AAAAAAAA4D8AAAAAAADgPwAAAAAAAOA/AAAAAAAA4D8CAAAAjAAAAAAAAAAAAAAAu+DjDP///wgAAAAAAAAAAAAAAAAAAAAAAAAAAAAAAAAAAAAAZAAAAAEAAABAAAAAAAAAAAAAAAAAAAAAAAAAAAAAAAAAAAAAAAAAAAAAAAAAAAAAAAAAAAAAAAAAAAAAAAAAAAAAAAAAAAAAAAAAAAAAAAAAAAAAAAAAAAAAAAAAAAAAFAAAADwAAAAAAAAAAAAAAAAAAAkUAAAAAQAAABQAAAAUAAAAFAAAAAEAAAAAAAAAZAAAAGQAAAAAAAAAZAAAAGQAAAAVAAAAYAAAAAAAAAAAAAAADwAAACADAAAAAAAAAAAAAAEAAACgMgAAVgcAAKr4//8BAAAAf39/AAEAAABkAAAAAAAAABQAAABAHwAAAAAAACYAAAAAAAAAwOD//wAAAAAmAAAAZAAAABYAAABMAAAAAAAAAAAAAAAEAAAAAAAAAAEAAACAgIAKAAAAACgAAAAoAAAAZAAAAGQAAAAAAAAAzMzMAAAAAABQAAAAUAAAAGQAAABkAAAAAAAAABcAAAAUAAAAAAAAANwIAAD/fwAA/38AAAAAAAAJAAAABAAAAPCptwMMAAAAEAAAAAAAAAAAAAAAAAAAAAAAAAAeAAAAaAAAAAAAAAAAAAAAAAAAAAAAAAAAAAAAECcAABAnAAAAAAAAAAAAAAAAAAAAAAAAAAAAAAAAAAAAAAAAAAAAABQAAAAAAAAAwMD/AAAAAABkAAAAMgAAAAAAAABkAAAAAAAAAH9/fwAKAAAAHwAAAFQAAAC74OMF////AQAAAAAAAAAAAAAAAAAAAAAAAAAAAAAAAAAAAAAAAAAAAAAAAn9/fwCAgIADzMzMAMDA/wB/f38AAAAAAAAAAAAAAAAAAAAAAAAAAAAhAAAAGAAAABQAAADeHgAA0xAAAHctAAATEwAAECAAACYAAAAIAAAA//////////8="/>
               </a:ext>
             </a:extLst>
           </p:cNvSpPr>
@@ -11955,7 +11969,7 @@
           <p:cNvSpPr>
             <a:extLst>
               <a:ext uri="smNativeData">
-                <pr:smNativeData xmlns:pr="smNativeData" val="SMDATA_13_BbpsXRMAAAAlAAAAZAAAAA8BAAAAkAAAAEgAAACQAAAASAAAAAAAAAAAAAAAAAAAAAEAAABQAAAAAAAAAAAA4D8AAAAAAADgPwAAAAAAAOA/AAAAAAAA4D8AAAAAAADgPwAAAAAAAOA/AAAAAAAA4D8AAAAAAADgPwAAAAAAAOA/AAAAAAAA4D8CAAAAjAAAAAEAAAAAAAAAhlHdAP///wgAAAAAAAAAAAAAAAAAAAAAAAAAAAAAAAAAAAAAZAAAAAEAAABAAAAAAAAAAAAAAAAAAAAAAAAAAAAAAAAAAAAAAAAAAAAAAAAAAAAAAAAAAAAAAAAAAAAAAAAAAAAAAAAAAAAAAAAAAAAAAAAAAAAAAAAAAAAAAAAAAAAAFAAAADwAAAABAAAAAAAAADYKngAoAAAAAQAAAAIAAAAAAAAAAAAAAAAAAAAAAAAAZAAAAGQAAAAAAAAAZAAAAGQAAAAVAAAAYAAAAAAAAAAAAAAADwAAACADAAAAAAAAAAAAAAEAAACgMgAAAAAAAAAAAAABAAAAf39/AAEAAABkAAAAAAAAABQAAABAHwAAAAAAACYAAAAAAAAAwOD//wAAAAAmAAAAZAAAABYAAABMAAAAAAAAAAAAAAAEAAAAAAAAAAEAAACAgIAKAAAAACgAAAAoAAAAZAAAAGQAAAAAAAAAzMzMAAAAAABQAAAAUAAAAGQAAABkAAAAAAAAABcAAAAUAAAAAAAAAAAAAAD/fwAA/38AAAAAAAAJAAAABAAAAHBlPSIMAAAAEAAAAAAAAAAAAAAAAAAAAAAAAAAeAAAAaAAAAAAAAAAAAAAAAAAAAAAAAAAAAAAAECcAABAnAAAAAAAAAAAAAAAAAAAAAAAAAAAAAAAAAAAAAAAAAAAAABQAAAAAAAAAwMD/AAAAAABkAAAAMgAAAAAAAABkAAAAAAAAAH9/fwAKAAAAHwAAAFQAAACGUd0A////AQAAAAAAAAAAAAAAAAAAAAAAAAAAAAAAAAAAAAAAAAAANgqeAH9/fwCAgIADzMzMAMDA/wB/f38AAAAAAAAAAAAAAAAAAAAAAAAAAAAhAAAAGAAAABQAAAB9DQAAIhQAAEEPAADgFQAAEAAAACYAAAAIAAAA//////////8="/>
+                <pr:smNativeData xmlns:pr="smNativeData" val="SMDATA_13_IrKAXRMAAAAlAAAAZAAAAA8BAAAAkAAAAEgAAACQAAAASAAAAAAAAAAAAAAAAAAAAAEAAABQAAAAAAAAAAAA4D8AAAAAAADgPwAAAAAAAOA/AAAAAAAA4D8AAAAAAADgPwAAAAAAAOA/AAAAAAAA4D8AAAAAAADgPwAAAAAAAOA/AAAAAAAA4D8CAAAAjAAAAAEAAAAAAAAAhlHdAP///wgAAAAAAAAAAAAAAAAAAAAAAAAAAAAAAAAAAAAAZAAAAAEAAABAAAAAAAAAAAAAAAAAAAAAAAAAAAAAAAAAAAAAAAAAAAAAAAAAAAAAAAAAAAAAAAAAAAAAAAAAAAAAAAAAAAAAAAAAAAAAAAAAAAAAAAAAAAAAAAAAAAAAFAAAADwAAAABAAAAAAAAADYKngAoAAAAAQAAAAIAAAAAAAAAAAAAAAAAAAAAAAAAZAAAAGQAAAAAAAAAZAAAAGQAAAAVAAAAYAAAAAAAAAAAAAAADwAAACADAAAAAAAAAAAAAAEAAACgMgAAAAAAAAAAAAABAAAAf39/AAEAAABkAAAAAAAAABQAAABAHwAAAAAAACYAAAAAAAAAwOD//wAAAAAmAAAAZAAAABYAAABMAAAAAAAAAAAAAAAEAAAAAAAAAAEAAACAgIAKAAAAACgAAAAoAAAAZAAAAGQAAAAAAAAAzMzMAAAAAABQAAAAUAAAAGQAAABkAAAAAAAAABcAAAAUAAAAAAAAAAAAAAD/fwAA/38AAAAAAAAJAAAABAAAAHBlPSIMAAAAEAAAAAAAAAAAAAAAAAAAAAAAAAAeAAAAaAAAAAAAAAAAAAAAAAAAAAAAAAAAAAAAECcAABAnAAAAAAAAAAAAAAAAAAAAAAAAAAAAAAAAAAAAAAAAAAAAABQAAAAAAAAAwMD/AAAAAABkAAAAMgAAAAAAAABkAAAAAAAAAH9/fwAKAAAAHwAAAFQAAACGUd0A////AQAAAAAAAAAAAAAAAAAAAAAAAAAAAAAAAAAAAAAAAAAANgqeAH9/fwCAgIADzMzMAMDA/wB/f38AAAAAAAAAAAAAAAAAAAAAAAAAAAAhAAAAGAAAABQAAAB9DQAAIhQAAEEPAADgFQAAEAAAACYAAAAIAAAA//////////8="/>
               </a:ext>
             </a:extLst>
           </p:cNvSpPr>
@@ -11989,7 +12003,7 @@
           <p:cNvSpPr>
             <a:extLst>
               <a:ext uri="smNativeData">
-                <pr:smNativeData xmlns:pr="smNativeData" val="SMDATA_13_BbpsXRMAAAAlAAAAyAAAAA8BAAAAkAAAAEgAAACQAAAASAAAAAAAAAAAAAAAAAAAAAEAAABQAAAAAIIphXg83z8IPYQeQg/RPwAAAAAAAOA/AAAAAAAA4D8AAAAAAADgPwAAAAAAAOA/AAAAAAAA4D8AAAAAAADgPwAAAAAAAOA/AAAAAAAA4D8CAAAAjAAAAAEAAAAAAAAANgqeAP///wgAAAAAAAAAAAAAAAAAAAAAAAAAAAAAAAAAAAAAZAAAAAEAAABAAAAAAAAAAAAAAAAAAAAAAAAAAAAAAAAAAAAAAAAAAAAAAAAAAAAAAAAAAAAAAAAAAAAAAAAAAAAAAAAAAAAAAAAAAAAAAAAAAAAAAAAAAAAAAAAAAAAAFAAAADwAAAAAAAAAAAAAAAAAAAkAAAAAAQAAAAAAAAAAAAAAAAAAAAAAAAAAAAAAZAAAAGQAAAAAAAAAZAAAAGQAAAAVAAAAYAAAAAAAAAAAAAAADwAAACADAAAAAAAAAAAAAAEAAACgMgAAAAAAAAAAAAABAAAAf39/AAEAAABkAAAAAAAAABQAAABAHwAAAAAAACYAAAAAAAAAwOD//wAAAAAmAAAAZAAAABYAAABMAAAAAAAAAAAAAAAEAAAAAAAAAAEAAACAgIAKAAAAACgAAAAoAAAAZAAAAGQAAAAAAAAAzMzMAAAAAABQAAAAUAAAAGQAAABkAAAAAAAAABcAAAAUAAAAAAAAAAAAAAD/fwAA/38AAAAAAAAJAAAABAAAAC1yLW4MAAAAEAAAAAAAAAAAAAAAAAAAAAAAAAAeAAAAaAAAAAAAAAAAAAAAAAAAAAAAAAAAAAAAECcAABAnAAAAAAAAAAAAAAAAAAAAAAAAAAAAAAAAAAAAAAAAAAAAABQAAAAAAAAAwMD/AAAAAABkAAAAMgAAAAAAAABkAAAAAAAAAH9/fwAKAAAAHwAAAFQAAAA2Cp4A////AQAAAAAAAAAAAAAAAAAAAAAAAAAAAAAAAAAAAAAAAAAAAAAAAn9/fwCAgIADzMzMAMDA/wB/f38AAAAAAAAAAAAAAAAAAAAAAAAAAAAhAAAAGAAAABQAAACrDgAAgBQAAOAQAACwFQAAEAAAACYAAAAIAAAA//////////8="/>
+                <pr:smNativeData xmlns:pr="smNativeData" val="SMDATA_13_IrKAXRMAAAAlAAAAyAAAAA8BAAAAkAAAAEgAAACQAAAASAAAAAAAAAAAAAAAAAAAAAEAAABQAAAAAIIphXg83z8IPYQeQg/RPwAAAAAAAOA/AAAAAAAA4D8AAAAAAADgPwAAAAAAAOA/AAAAAAAA4D8AAAAAAADgPwAAAAAAAOA/AAAAAAAA4D8CAAAAjAAAAAEAAAAAAAAANgqeAP///wgAAAAAAAAAAAAAAAAAAAAAAAAAAAAAAAAAAAAAZAAAAAEAAABAAAAAAAAAAAAAAAAAAAAAAAAAAAAAAAAAAAAAAAAAAAAAAAAAAAAAAAAAAAAAAAAAAAAAAAAAAAAAAAAAAAAAAAAAAAAAAAAAAAAAAAAAAAAAAAAAAAAAFAAAADwAAAAAAAAAAAAAAAAAAAkAAAAAAQAAAAAAAAAAAAAAAAAAAAAAAAAAAAAAZAAAAGQAAAAAAAAAZAAAAGQAAAAVAAAAYAAAAAAAAAAAAAAADwAAACADAAAAAAAAAAAAAAEAAACgMgAAAAAAAAAAAAABAAAAf39/AAEAAABkAAAAAAAAABQAAABAHwAAAAAAACYAAAAAAAAAwOD//wAAAAAmAAAAZAAAABYAAABMAAAAAAAAAAAAAAAEAAAAAAAAAAEAAACAgIAKAAAAACgAAAAoAAAAZAAAAGQAAAAAAAAAzMzMAAAAAABQAAAAUAAAAGQAAABkAAAAAAAAABcAAAAUAAAAAAAAAAAAAAD/fwAA/38AAAAAAAAJAAAABAAAAC1yLW4MAAAAEAAAAAAAAAAAAAAAAAAAAAAAAAAeAAAAaAAAAAAAAAAAAAAAAAAAAAAAAAAAAAAAECcAABAnAAAAAAAAAAAAAAAAAAAAAAAAAAAAAAAAAAAAAAAAAAAAABQAAAAAAAAAwMD/AAAAAABkAAAAMgAAAAAAAABkAAAAAAAAAH9/fwAKAAAAHwAAAFQAAAA2Cp4A////AQAAAAAAAAAAAAAAAAAAAAAAAAAAAAAAAAAAAAAAAAAAAAAAAn9/fwCAgIADzMzMAMDA/wB/f38AAAAAAAAAAAAAAAAAAAAAAAAAAAAhAAAAGAAAABQAAACrDgAAgBQAAOAQAACwFQAAEAAAACYAAAAIAAAA//////////8="/>
               </a:ext>
             </a:extLst>
           </p:cNvSpPr>
@@ -12021,7 +12035,7 @@
           <p:cNvSpPr txBox="1">
             <a:extLst>
               <a:ext uri="smNativeData">
-                <pr:smNativeData xmlns:pr="smNativeData" val="SMDATA_13_BbpsXRMAAAAlAAAAEgAAAE8BAAAAkAAAAEgAAACQAAAASAAAAAAAAAAAAAAAAAAAAAEAAABQAAAAAAAAAAAA4D8AAAAAAADgPwAAAAAAAOA/AAAAAAAA4D8AAAAAAADgPwAAAAAAAOA/AAAAAAAA4D8AAAAAAADgPwAAAAAAAOA/AAAAAAAA4D8CAAAAjAAAAAAAAAAAAAAAu+DjDP///wgAAAAAAAAAAAAAAAAAAAAAAAAAAAAAAAAAAAAAZAAAAAEAAABAAAAAAAAAAAAAAAAAAAAAAAAAAAAAAAAAAAAAAAAAAAAAAAAAAAAAAAAAAAAAAAAAAAAAAAAAAAAAAAAAAAAAAAAAAAAAAAAAAAAAAAAAAAAAAAAAAAAAFAAAADwAAAAAAAAAAAAAAAAAAAkUAAAAAQAAABQAAAAUAAAAFAAAAAEAAAAAAAAAZAAAAGQAAAAAAAAAZAAAAGQAAAAVAAAAYAAAAAAAAAAAAAAADwAAACADAAAAAAAAAAAAAAEAAACgMgAAVgcAAKr4//8BAAAAf39/AAEAAABkAAAAAAAAABQAAABAHwAAAAAAACYAAAAAAAAAwOD//wAAAAAmAAAAZAAAABYAAABMAAAAAAAAAAAAAAAEAAAAAAAAAAEAAACAgIAKAAAAACgAAAAoAAAAZAAAAGQAAAAAAAAAzMzMAAAAAABQAAAAUAAAAGQAAABkAAAAAAAAABcAAAAUAAAAAAAAANwIAAD/fwAA/38AAAAAAAAJAAAABAAAAAAAAAAMAAAAEAAAAAAAAAAAAAAAAAAAAAAAAAAeAAAAaAAAAAAAAAAAAAAAAAAAAAAAAAAAAAAAECcAABAnAAAAAAAAAAAAAAAAAAAAAAAAAAAAAAAAAAAAAAAAAAAAABQAAAAAAAAAwMD/AAAAAABkAAAAMgAAAAAAAABkAAAAAAAAAH9/fwAKAAAAHwAAAFQAAAC74OMF////AQAAAAAAAAAAAAAAAAAAAAAAAAAAAAAAAAAAAAAAAAAAAAAAAn9/fwCAgIADzMzMAMDA/wB/f38AAAAAAAAAAAAAAAAAAAAAAAAAAAAhAAAAGAAAABQAAADLEAAA9RMAAKcZAAA1FgAAECAAACYAAAAIAAAA//////////8="/>
+                <pr:smNativeData xmlns:pr="smNativeData" val="SMDATA_13_IrKAXRMAAAAlAAAAEgAAAE8BAAAAkAAAAEgAAACQAAAASAAAAAAAAAAAAAAAAAAAAAEAAABQAAAAAAAAAAAA4D8AAAAAAADgPwAAAAAAAOA/AAAAAAAA4D8AAAAAAADgPwAAAAAAAOA/AAAAAAAA4D8AAAAAAADgPwAAAAAAAOA/AAAAAAAA4D8CAAAAjAAAAAAAAAAAAAAAu+DjDP///wgAAAAAAAAAAAAAAAAAAAAAAAAAAAAAAAAAAAAAZAAAAAEAAABAAAAAAAAAAAAAAAAAAAAAAAAAAAAAAAAAAAAAAAAAAAAAAAAAAAAAAAAAAAAAAAAAAAAAAAAAAAAAAAAAAAAAAAAAAAAAAAAAAAAAAAAAAAAAAAAAAAAAFAAAADwAAAAAAAAAAAAAAAAAAAkUAAAAAQAAABQAAAAUAAAAFAAAAAEAAAAAAAAAZAAAAGQAAAAAAAAAZAAAAGQAAAAVAAAAYAAAAAAAAAAAAAAADwAAACADAAAAAAAAAAAAAAEAAACgMgAAVgcAAKr4//8BAAAAf39/AAEAAABkAAAAAAAAABQAAABAHwAAAAAAACYAAAAAAAAAwOD//wAAAAAmAAAAZAAAABYAAABMAAAAAAAAAAAAAAAEAAAAAAAAAAEAAACAgIAKAAAAACgAAAAoAAAAZAAAAGQAAAAAAAAAzMzMAAAAAABQAAAAUAAAAGQAAABkAAAAAAAAABcAAAAUAAAAAAAAANwIAAD/fwAA/38AAAAAAAAJAAAABAAAAAAAAAAMAAAAEAAAAAAAAAAAAAAAAAAAAAAAAAAeAAAAaAAAAAAAAAAAAAAAAAAAAAAAAAAAAAAAECcAABAnAAAAAAAAAAAAAAAAAAAAAAAAAAAAAAAAAAAAAAAAAAAAABQAAAAAAAAAwMD/AAAAAABkAAAAMgAAAAAAAABkAAAAAAAAAH9/fwAKAAAAHwAAAFQAAAC74OMF////AQAAAAAAAAAAAAAAAAAAAAAAAAAAAAAAAAAAAAAAAAAAAAAAAn9/fwCAgIADzMzMAMDA/wB/f38AAAAAAAAAAAAAAAAAAAAAAAAAAAAhAAAAGAAAABQAAADLEAAA9RMAAKcZAAA1FgAAECAAACYAAAAIAAAA//////////8="/>
               </a:ext>
             </a:extLst>
           </p:cNvSpPr>
@@ -12067,7 +12081,7 @@
           <p:cNvSpPr>
             <a:extLst>
               <a:ext uri="smNativeData">
-                <pr:smNativeData xmlns:pr="smNativeData" val="SMDATA_13_BbpsXRMAAAAlAAAAZAAAAA8BAAAAkAAAAEgAAACQAAAASAAAAAAAAAAAAAAAAAAAAAEAAABQAAAAAAAAAAAA4D8AAAAAAADgPwAAAAAAAOA/AAAAAAAA4D8AAAAAAADgPwAAAAAAAOA/AAAAAAAA4D8AAAAAAADgPwAAAAAAAOA/AAAAAAAA4D8CAAAAjAAAAAEAAAAAAAAAhlHdAP///wgAAAAAAAAAAAAAAAAAAAAAAAAAAAAAAAAAAAAAZAAAAAEAAABAAAAAAAAAAAAAAAAAAAAAAAAAAAAAAAAAAAAAAAAAAAAAAAAAAAAAAAAAAAAAAAAAAAAAAAAAAAAAAAAAAAAAAAAAAAAAAAAAAAAAAAAAAAAAAAAAAAAAFAAAADwAAAABAAAAAAAAADYKngAoAAAAAQAAAAIAAAAAAAAAAAAAAAAAAAAAAAAAZAAAAGQAAAAAAAAAZAAAAGQAAAAVAAAAYAAAAAAAAAAAAAAADwAAACADAAAAAAAAAAAAAAEAAACgMgAAAAAAAAAAAAABAAAAf39/AAEAAABkAAAAAAAAABQAAABAHwAAAAAAACYAAAAAAAAAwOD//wAAAAAmAAAAZAAAABYAAABMAAAAAAAAAAAAAAAEAAAAAAAAAAEAAACAgIAKAAAAACgAAAAoAAAAZAAAAGQAAAAAAAAAzMzMAAAAAABQAAAAUAAAAGQAAABkAAAAAAAAABcAAAAUAAAAAAAAAAAAAAD/fwAA/38AAAAAAAAJAAAABAAAAAIA/f8MAAAAEAAAAAAAAAAAAAAAAAAAAAAAAAAeAAAAaAAAAAAAAAAAAAAAAAAAAAAAAAAAAAAAECcAABAnAAAAAAAAAAAAAAAAAAAAAAAAAAAAAAAAAAAAAAAAAAAAABQAAAAAAAAAwMD/AAAAAABkAAAAMgAAAAAAAABkAAAAAAAAAH9/fwAKAAAAHwAAAFQAAACGUd0A////AQAAAAAAAAAAAAAAAAAAAAAAAAAAAAAAAAAAAAAAAAAANgqeAH9/fwCAgIADzMzMAMDA/wB/f38AAAAAAAAAAAAAAAAAAAAAAAAAAAAhAAAAGAAAABQAAAB7DQAA0BgAAD8PAACOGgAAEAAAACYAAAAIAAAA//////////8="/>
+                <pr:smNativeData xmlns:pr="smNativeData" val="SMDATA_13_IrKAXRMAAAAlAAAAZAAAAA8BAAAAkAAAAEgAAACQAAAASAAAAAAAAAAAAAAAAAAAAAEAAABQAAAAAAAAAAAA4D8AAAAAAADgPwAAAAAAAOA/AAAAAAAA4D8AAAAAAADgPwAAAAAAAOA/AAAAAAAA4D8AAAAAAADgPwAAAAAAAOA/AAAAAAAA4D8CAAAAjAAAAAEAAAAAAAAAhlHdAP///wgAAAAAAAAAAAAAAAAAAAAAAAAAAAAAAAAAAAAAZAAAAAEAAABAAAAAAAAAAAAAAAAAAAAAAAAAAAAAAAAAAAAAAAAAAAAAAAAAAAAAAAAAAAAAAAAAAAAAAAAAAAAAAAAAAAAAAAAAAAAAAAAAAAAAAAAAAAAAAAAAAAAAFAAAADwAAAABAAAAAAAAADYKngAoAAAAAQAAAAIAAAAAAAAAAAAAAAAAAAAAAAAAZAAAAGQAAAAAAAAAZAAAAGQAAAAVAAAAYAAAAAAAAAAAAAAADwAAACADAAAAAAAAAAAAAAEAAACgMgAAAAAAAAAAAAABAAAAf39/AAEAAABkAAAAAAAAABQAAABAHwAAAAAAACYAAAAAAAAAwOD//wAAAAAmAAAAZAAAABYAAABMAAAAAAAAAAAAAAAEAAAAAAAAAAEAAACAgIAKAAAAACgAAAAoAAAAZAAAAGQAAAAAAAAAzMzMAAAAAABQAAAAUAAAAGQAAABkAAAAAAAAABcAAAAUAAAAAAAAAAAAAAD/fwAA/38AAAAAAAAJAAAABAAAAAIA/f8MAAAAEAAAAAAAAAAAAAAAAAAAAAAAAAAeAAAAaAAAAAAAAAAAAAAAAAAAAAAAAAAAAAAAECcAABAnAAAAAAAAAAAAAAAAAAAAAAAAAAAAAAAAAAAAAAAAAAAAABQAAAAAAAAAwMD/AAAAAABkAAAAMgAAAAAAAABkAAAAAAAAAH9/fwAKAAAAHwAAAFQAAACGUd0A////AQAAAAAAAAAAAAAAAAAAAAAAAAAAAAAAAAAAAAAAAAAANgqeAH9/fwCAgIADzMzMAMDA/wB/f38AAAAAAAAAAAAAAAAAAAAAAAAAAAAhAAAAGAAAABQAAAB7DQAA0BgAAD8PAACOGgAAEAAAACYAAAAIAAAA//////////8="/>
               </a:ext>
             </a:extLst>
           </p:cNvSpPr>
@@ -12101,7 +12115,7 @@
           <p:cNvSpPr>
             <a:extLst>
               <a:ext uri="smNativeData">
-                <pr:smNativeData xmlns:pr="smNativeData" val="SMDATA_13_BbpsXRMAAAAlAAAAyAAAAA8BAAAAkAAAAEgAAACQAAAASAAAAAAAAAAAAAAAAAAAAAEAAABQAAAAAIIphXg83z8IPYQeQg/RPwAAAAAAAOA/AAAAAAAA4D8AAAAAAADgPwAAAAAAAOA/AAAAAAAA4D8AAAAAAADgPwAAAAAAAOA/AAAAAAAA4D8CAAAAjAAAAAEAAAAAAAAANgqeAP///wgAAAAAAAAAAAAAAAAAAAAAAAAAAAAAAAAAAAAAZAAAAAEAAABAAAAAAAAAAAAAAAAAAAAAAAAAAAAAAAAAAAAAAAAAAAAAAAAAAAAAAAAAAAAAAAAAAAAAAAAAAAAAAAAAAAAAAAAAAAAAAAAAAAAAAAAAAAAAAAAAAAAAFAAAADwAAAAAAAAAAAAAAAAAAAkAAAAAAQAAAAAAAAAAAAAAAAAAAAAAAAAAAAAAZAAAAGQAAAAAAAAAZAAAAGQAAAAVAAAAYAAAAAAAAAAAAAAADwAAACADAAAAAAAAAAAAAAEAAACgMgAAAAAAAAAAAAABAAAAf39/AAEAAABkAAAAAAAAABQAAABAHwAAAAAAACYAAAAAAAAAwOD//wAAAAAmAAAAZAAAABYAAABMAAAAAAAAAAAAAAAEAAAAAAAAAAEAAACAgIAKAAAAACgAAAAoAAAAZAAAAGQAAAAAAAAAzMzMAAAAAABQAAAAUAAAAGQAAABkAAAAAAAAABcAAAAUAAAAAAAAAAAAAAD/fwAA/38AAAAAAAAJAAAABAAAAAAAAAAMAAAAEAAAAAAAAAAAAAAAAAAAAAAAAAAeAAAAaAAAAAAAAAAAAAAAAAAAAAAAAAAAAAAAECcAABAnAAAAAAAAAAAAAAAAAAAAAAAAAAAAAAAAAAAAAAAAAAAAABQAAAAAAAAAwMD/AAAAAABkAAAAMgAAAAAAAABkAAAAAAAAAH9/fwAKAAAAHwAAAFQAAAA2Cp4A////AQAAAAAAAAAAAAAAAAAAAAAAAAAAAAAAAAAAAAAAAAAAAAAAAn9/fwCAgIADzMzMAMDA/wB/f38AAAAAAAAAAAAAAAAAAAAAAAAAAAAhAAAAGAAAABQAAACpDgAALhkAAN4QAABeGgAAEAAAACYAAAAIAAAA//////////8="/>
+                <pr:smNativeData xmlns:pr="smNativeData" val="SMDATA_13_IrKAXRMAAAAlAAAAyAAAAA8BAAAAkAAAAEgAAACQAAAASAAAAAAAAAAAAAAAAAAAAAEAAABQAAAAAIIphXg83z8IPYQeQg/RPwAAAAAAAOA/AAAAAAAA4D8AAAAAAADgPwAAAAAAAOA/AAAAAAAA4D8AAAAAAADgPwAAAAAAAOA/AAAAAAAA4D8CAAAAjAAAAAEAAAAAAAAANgqeAP///wgAAAAAAAAAAAAAAAAAAAAAAAAAAAAAAAAAAAAAZAAAAAEAAABAAAAAAAAAAAAAAAAAAAAAAAAAAAAAAAAAAAAAAAAAAAAAAAAAAAAAAAAAAAAAAAAAAAAAAAAAAAAAAAAAAAAAAAAAAAAAAAAAAAAAAAAAAAAAAAAAAAAAFAAAADwAAAAAAAAAAAAAAAAAAAkAAAAAAQAAAAAAAAAAAAAAAAAAAAAAAAAAAAAAZAAAAGQAAAAAAAAAZAAAAGQAAAAVAAAAYAAAAAAAAAAAAAAADwAAACADAAAAAAAAAAAAAAEAAACgMgAAAAAAAAAAAAABAAAAf39/AAEAAABkAAAAAAAAABQAAABAHwAAAAAAACYAAAAAAAAAwOD//wAAAAAmAAAAZAAAABYAAABMAAAAAAAAAAAAAAAEAAAAAAAAAAEAAACAgIAKAAAAACgAAAAoAAAAZAAAAGQAAAAAAAAAzMzMAAAAAABQAAAAUAAAAGQAAABkAAAAAAAAABcAAAAUAAAAAAAAAAAAAAD/fwAA/38AAAAAAAAJAAAABAAAAAAAAAAMAAAAEAAAAAAAAAAAAAAAAAAAAAAAAAAeAAAAaAAAAAAAAAAAAAAAAAAAAAAAAAAAAAAAECcAABAnAAAAAAAAAAAAAAAAAAAAAAAAAAAAAAAAAAAAAAAAAAAAABQAAAAAAAAAwMD/AAAAAABkAAAAMgAAAAAAAABkAAAAAAAAAH9/fwAKAAAAHwAAAFQAAAA2Cp4A////AQAAAAAAAAAAAAAAAAAAAAAAAAAAAAAAAAAAAAAAAAAAAAAAAn9/fwCAgIADzMzMAMDA/wB/f38AAAAAAAAAAAAAAAAAAAAAAAAAAAAhAAAAGAAAABQAAACpDgAALhkAAN4QAABeGgAAEAAAACYAAAAIAAAA//////////8="/>
               </a:ext>
             </a:extLst>
           </p:cNvSpPr>
@@ -12133,7 +12147,7 @@
           <p:cNvSpPr txBox="1">
             <a:extLst>
               <a:ext uri="smNativeData">
-                <pr:smNativeData xmlns:pr="smNativeData" val="SMDATA_13_BbpsXRMAAAAlAAAAEgAAAE8BAAAAkAAAAEgAAACQAAAASAAAAAAAAAAAAAAAAAAAAAEAAABQAAAAAAAAAAAA4D8AAAAAAADgPwAAAAAAAOA/AAAAAAAA4D8AAAAAAADgPwAAAAAAAOA/AAAAAAAA4D8AAAAAAADgPwAAAAAAAOA/AAAAAAAA4D8CAAAAjAAAAAAAAAAAAAAAu+DjDP///wgAAAAAAAAAAAAAAAAAAAAAAAAAAAAAAAAAAAAAZAAAAAEAAABAAAAAAAAAAAAAAAAAAAAAAAAAAAAAAAAAAAAAAAAAAAAAAAAAAAAAAAAAAAAAAAAAAAAAAAAAAAAAAAAAAAAAAAAAAAAAAAAAAAAAAAAAAAAAAAAAAAAAFAAAADwAAAAAAAAAAAAAAAAAAAkUAAAAAQAAABQAAAAUAAAAFAAAAAEAAAAAAAAAZAAAAGQAAAAAAAAAZAAAAGQAAAAVAAAAYAAAAAAAAAAAAAAADwAAACADAAAAAAAAAAAAAAEAAACgMgAAVgcAAKr4//8BAAAAf39/AAEAAABkAAAAAAAAABQAAABAHwAAAAAAACYAAAAAAAAAwOD//wAAAAAmAAAAZAAAABYAAABMAAAAAAAAAAAAAAAEAAAAAAAAAAEAAACAgIAKAAAAACgAAAAoAAAAZAAAAGQAAAAAAAAAzMzMAAAAAABQAAAAUAAAAGQAAABkAAAAAAAAABcAAAAUAAAAAAAAANwIAAD/fwAA/38AAAAAAAAJAAAABAAAAAAAAAgMAAAAEAAAAAAAAAAAAAAAAAAAAAAAAAAeAAAAaAAAAAAAAAAAAAAAAAAAAAAAAAAAAAAAECcAABAnAAAAAAAAAAAAAAAAAAAAAAAAAAAAAAAAAAAAAAAAAAAAABQAAAAAAAAAwMD/AAAAAABkAAAAMgAAAAAAAABkAAAAAAAAAH9/fwAKAAAAHwAAAFQAAAC74OMF////AQAAAAAAAAAAAAAAAAAAAAAAAAAAAAAAAAAAAAAAAAAAAAAAAn9/fwCAgIADzMzMAMDA/wB/f38AAAAAAAAAAAAAAAAAAAAAAAAAAAAhAAAAGAAAABQAAADJEAAAoxgAAKUZAADjGgAAECAAACYAAAAIAAAA//////////8="/>
+                <pr:smNativeData xmlns:pr="smNativeData" val="SMDATA_13_IrKAXRMAAAAlAAAAEgAAAE8BAAAAkAAAAEgAAACQAAAASAAAAAAAAAAAAAAAAAAAAAEAAABQAAAAAAAAAAAA4D8AAAAAAADgPwAAAAAAAOA/AAAAAAAA4D8AAAAAAADgPwAAAAAAAOA/AAAAAAAA4D8AAAAAAADgPwAAAAAAAOA/AAAAAAAA4D8CAAAAjAAAAAAAAAAAAAAAu+DjDP///wgAAAAAAAAAAAAAAAAAAAAAAAAAAAAAAAAAAAAAZAAAAAEAAABAAAAAAAAAAAAAAAAAAAAAAAAAAAAAAAAAAAAAAAAAAAAAAAAAAAAAAAAAAAAAAAAAAAAAAAAAAAAAAAAAAAAAAAAAAAAAAAAAAAAAAAAAAAAAAAAAAAAAFAAAADwAAAAAAAAAAAAAAAAAAAkUAAAAAQAAABQAAAAUAAAAFAAAAAEAAAAAAAAAZAAAAGQAAAAAAAAAZAAAAGQAAAAVAAAAYAAAAAAAAAAAAAAADwAAACADAAAAAAAAAAAAAAEAAACgMgAAVgcAAKr4//8BAAAAf39/AAEAAABkAAAAAAAAABQAAABAHwAAAAAAACYAAAAAAAAAwOD//wAAAAAmAAAAZAAAABYAAABMAAAAAAAAAAAAAAAEAAAAAAAAAAEAAACAgIAKAAAAACgAAAAoAAAAZAAAAGQAAAAAAAAAzMzMAAAAAABQAAAAUAAAAGQAAABkAAAAAAAAABcAAAAUAAAAAAAAANwIAAD/fwAA/38AAAAAAAAJAAAABAAAAAAAAAgMAAAAEAAAAAAAAAAAAAAAAAAAAAAAAAAeAAAAaAAAAAAAAAAAAAAAAAAAAAAAAAAAAAAAECcAABAnAAAAAAAAAAAAAAAAAAAAAAAAAAAAAAAAAAAAAAAAAAAAABQAAAAAAAAAwMD/AAAAAABkAAAAMgAAAAAAAABkAAAAAAAAAH9/fwAKAAAAHwAAAFQAAAC74OMF////AQAAAAAAAAAAAAAAAAAAAAAAAAAAAAAAAAAAAAAAAAAAAAAAAn9/fwCAgIADzMzMAMDA/wB/f38AAAAAAAAAAAAAAAAAAAAAAAAAAAAhAAAAGAAAABQAAADJEAAAoxgAAKUZAADjGgAAECAAACYAAAAIAAAA//////////8="/>
               </a:ext>
             </a:extLst>
           </p:cNvSpPr>
@@ -12179,7 +12193,7 @@
           <p:cNvSpPr>
             <a:extLst>
               <a:ext uri="smNativeData">
-                <pr:smNativeData xmlns:pr="smNativeData" val="SMDATA_13_BbpsXRMAAAAlAAAAZAAAAA8BAAAAkAAAAEgAAACQAAAASAAAAAAAAAAAAAAAAAAAAAEAAABQAAAAAAAAAAAA4D8AAAAAAADgPwAAAAAAAOA/AAAAAAAA4D8AAAAAAADgPwAAAAAAAOA/AAAAAAAA4D8AAAAAAADgPwAAAAAAAOA/AAAAAAAA4D8CAAAAjAAAAAEAAAAAAAAAhlHdAP///wgAAAAAAAAAAAAAAAAAAAAAAAAAAAAAAAAAAAAAZAAAAAEAAABAAAAAAAAAAAAAAAAAAAAAAAAAAAAAAAAAAAAAAAAAAAAAAAAAAAAAAAAAAAAAAAAAAAAAAAAAAAAAAAAAAAAAAAAAAAAAAAAAAAAAAAAAAAAAAAAAAAAAFAAAADwAAAABAAAAAAAAADYKngAoAAAAAQAAAAIAAAAAAAAAAAAAAAAAAAAAAAAAZAAAAGQAAAAAAAAAZAAAAGQAAAAVAAAAYAAAAAAAAAAAAAAADwAAACADAAAAAAAAAAAAAAEAAACgMgAAAAAAAAAAAAABAAAAf39/AAEAAABkAAAAAAAAABQAAABAHwAAAAAAACYAAAAAAAAAwOD//wAAAAAmAAAAZAAAABYAAABMAAAAAAAAAAAAAAAEAAAAAAAAAAEAAACAgIAKAAAAACgAAAAoAAAAZAAAAGQAAAAAAAAAzMzMAAAAAABQAAAAUAAAAGQAAABkAAAAAAAAABcAAAAUAAAAAAAAAAAAAAD/fwAA/38AAAAAAAAJAAAABAAAAEJRQUEMAAAAEAAAAAAAAAAAAAAAAAAAAAAAAAAeAAAAaAAAAAAAAAAAAAAAAAAAAAAAAAAAAAAAECcAABAnAAAAAAAAAAAAAAAAAAAAAAAAAAAAAAAAAAAAAAAAAAAAABQAAAAAAAAAwMD/AAAAAABkAAAAMgAAAAAAAABkAAAAAAAAAH9/fwAKAAAAHwAAAFQAAACGUd0A////AQAAAAAAAAAAAAAAAAAAAAAAAAAAAAAAAAAAAAAAAAAANgqeAH9/fwCAgIADzMzMAMDA/wB/f38AAAAAAAAAAAAAAAAAAAAAAAAAAAAhAAAAGAAAABQAAAB7DQAAKBsAAD8PAADmHAAAEAAAACYAAAAIAAAA//////////8="/>
+                <pr:smNativeData xmlns:pr="smNativeData" val="SMDATA_13_IrKAXRMAAAAlAAAAZAAAAA8BAAAAkAAAAEgAAACQAAAASAAAAAAAAAAAAAAAAAAAAAEAAABQAAAAAAAAAAAA4D8AAAAAAADgPwAAAAAAAOA/AAAAAAAA4D8AAAAAAADgPwAAAAAAAOA/AAAAAAAA4D8AAAAAAADgPwAAAAAAAOA/AAAAAAAA4D8CAAAAjAAAAAEAAAAAAAAAhlHdAP///wgAAAAAAAAAAAAAAAAAAAAAAAAAAAAAAAAAAAAAZAAAAAEAAABAAAAAAAAAAAAAAAAAAAAAAAAAAAAAAAAAAAAAAAAAAAAAAAAAAAAAAAAAAAAAAAAAAAAAAAAAAAAAAAAAAAAAAAAAAAAAAAAAAAAAAAAAAAAAAAAAAAAAFAAAADwAAAABAAAAAAAAADYKngAoAAAAAQAAAAIAAAAAAAAAAAAAAAAAAAAAAAAAZAAAAGQAAAAAAAAAZAAAAGQAAAAVAAAAYAAAAAAAAAAAAAAADwAAACADAAAAAAAAAAAAAAEAAACgMgAAAAAAAAAAAAABAAAAf39/AAEAAABkAAAAAAAAABQAAABAHwAAAAAAACYAAAAAAAAAwOD//wAAAAAmAAAAZAAAABYAAABMAAAAAAAAAAAAAAAEAAAAAAAAAAEAAACAgIAKAAAAACgAAAAoAAAAZAAAAGQAAAAAAAAAzMzMAAAAAABQAAAAUAAAAGQAAABkAAAAAAAAABcAAAAUAAAAAAAAAAAAAAD/fwAA/38AAAAAAAAJAAAABAAAAEJRQUEMAAAAEAAAAAAAAAAAAAAAAAAAAAAAAAAeAAAAaAAAAAAAAAAAAAAAAAAAAAAAAAAAAAAAECcAABAnAAAAAAAAAAAAAAAAAAAAAAAAAAAAAAAAAAAAAAAAAAAAABQAAAAAAAAAwMD/AAAAAABkAAAAMgAAAAAAAABkAAAAAAAAAH9/fwAKAAAAHwAAAFQAAACGUd0A////AQAAAAAAAAAAAAAAAAAAAAAAAAAAAAAAAAAAAAAAAAAANgqeAH9/fwCAgIADzMzMAMDA/wB/f38AAAAAAAAAAAAAAAAAAAAAAAAAAAAhAAAAGAAAABQAAAB7DQAAKBsAAD8PAADmHAAAEAAAACYAAAAIAAAA//////////8="/>
               </a:ext>
             </a:extLst>
           </p:cNvSpPr>
@@ -12213,7 +12227,7 @@
           <p:cNvSpPr>
             <a:extLst>
               <a:ext uri="smNativeData">
-                <pr:smNativeData xmlns:pr="smNativeData" val="SMDATA_13_BbpsXRMAAAAlAAAAyAAAAA8BAAAAkAAAAEgAAACQAAAASAAAAAAAAAAAAAAAAAAAAAEAAABQAAAAAIIphXg83z8IPYQeQg/RPwAAAAAAAOA/AAAAAAAA4D8AAAAAAADgPwAAAAAAAOA/AAAAAAAA4D8AAAAAAADgPwAAAAAAAOA/AAAAAAAA4D8CAAAAjAAAAAEAAAAAAAAANgqeAP///wgAAAAAAAAAAAAAAAAAAAAAAAAAAAAAAAAAAAAAZAAAAAEAAABAAAAAAAAAAAAAAAAAAAAAAAAAAAAAAAAAAAAAAAAAAAAAAAAAAAAAAAAAAAAAAAAAAAAAAAAAAAAAAAAAAAAAAAAAAAAAAAAAAAAAAAAAAAAAAAAAAAAAFAAAADwAAAAAAAAAAAAAAAAAAAkAAAAAAQAAAAAAAAAAAAAAAAAAAAAAAAAAAAAAZAAAAGQAAAAAAAAAZAAAAGQAAAAVAAAAYAAAAAAAAAAAAAAADwAAACADAAAAAAAAAAAAAAEAAACgMgAAAAAAAAAAAAABAAAAf39/AAEAAABkAAAAAAAAABQAAABAHwAAAAAAACYAAAAAAAAAwOD//wAAAAAmAAAAZAAAABYAAABMAAAAAAAAAAAAAAAEAAAAAAAAAAEAAACAgIAKAAAAACgAAAAoAAAAZAAAAGQAAAAAAAAAzMzMAAAAAABQAAAAUAAAAGQAAABkAAAAAAAAABcAAAAUAAAAAAAAAAAAAAD/fwAA/38AAAAAAAAJAAAABAAAAAAAAAAMAAAAEAAAAAAAAAAAAAAAAAAAAAAAAAAeAAAAaAAAAAAAAAAAAAAAAAAAAAAAAAAAAAAAECcAABAnAAAAAAAAAAAAAAAAAAAAAAAAAAAAAAAAAAAAAAAAAAAAABQAAAAAAAAAwMD/AAAAAABkAAAAMgAAAAAAAABkAAAAAAAAAH9/fwAKAAAAHwAAAFQAAAA2Cp4A////AQAAAAAAAAAAAAAAAAAAAAAAAAAAAAAAAAAAAAAAAAAAAAAAAn9/fwCAgIADzMzMAMDA/wB/f38AAAAAAAAAAAAAAAAAAAAAAAAAAAAhAAAAGAAAABQAAACpDgAAhhsAAN4QAAC2HAAAEAAAACYAAAAIAAAA//////////8="/>
+                <pr:smNativeData xmlns:pr="smNativeData" val="SMDATA_13_IrKAXRMAAAAlAAAAyAAAAA8BAAAAkAAAAEgAAACQAAAASAAAAAAAAAAAAAAAAAAAAAEAAABQAAAAAIIphXg83z8IPYQeQg/RPwAAAAAAAOA/AAAAAAAA4D8AAAAAAADgPwAAAAAAAOA/AAAAAAAA4D8AAAAAAADgPwAAAAAAAOA/AAAAAAAA4D8CAAAAjAAAAAEAAAAAAAAANgqeAP///wgAAAAAAAAAAAAAAAAAAAAAAAAAAAAAAAAAAAAAZAAAAAEAAABAAAAAAAAAAAAAAAAAAAAAAAAAAAAAAAAAAAAAAAAAAAAAAAAAAAAAAAAAAAAAAAAAAAAAAAAAAAAAAAAAAAAAAAAAAAAAAAAAAAAAAAAAAAAAAAAAAAAAFAAAADwAAAAAAAAAAAAAAAAAAAkAAAAAAQAAAAAAAAAAAAAAAAAAAAAAAAAAAAAAZAAAAGQAAAAAAAAAZAAAAGQAAAAVAAAAYAAAAAAAAAAAAAAADwAAACADAAAAAAAAAAAAAAEAAACgMgAAAAAAAAAAAAABAAAAf39/AAEAAABkAAAAAAAAABQAAABAHwAAAAAAACYAAAAAAAAAwOD//wAAAAAmAAAAZAAAABYAAABMAAAAAAAAAAAAAAAEAAAAAAAAAAEAAACAgIAKAAAAACgAAAAoAAAAZAAAAGQAAAAAAAAAzMzMAAAAAABQAAAAUAAAAGQAAABkAAAAAAAAABcAAAAUAAAAAAAAAAAAAAD/fwAA/38AAAAAAAAJAAAABAAAAAAAAAAMAAAAEAAAAAAAAAAAAAAAAAAAAAAAAAAeAAAAaAAAAAAAAAAAAAAAAAAAAAAAAAAAAAAAECcAABAnAAAAAAAAAAAAAAAAAAAAAAAAAAAAAAAAAAAAAAAAAAAAABQAAAAAAAAAwMD/AAAAAABkAAAAMgAAAAAAAABkAAAAAAAAAH9/fwAKAAAAHwAAAFQAAAA2Cp4A////AQAAAAAAAAAAAAAAAAAAAAAAAAAAAAAAAAAAAAAAAAAAAAAAAn9/fwCAgIADzMzMAMDA/wB/f38AAAAAAAAAAAAAAAAAAAAAAAAAAAAhAAAAGAAAABQAAACpDgAAhhsAAN4QAAC2HAAAEAAAACYAAAAIAAAA//////////8="/>
               </a:ext>
             </a:extLst>
           </p:cNvSpPr>
@@ -12245,7 +12259,7 @@
           <p:cNvSpPr txBox="1">
             <a:extLst>
               <a:ext uri="smNativeData">
-                <pr:smNativeData xmlns:pr="smNativeData" val="SMDATA_13_BbpsXRMAAAAlAAAAEgAAAE8BAAAAkAAAAEgAAACQAAAASAAAAAAAAAAAAAAAAAAAAAEAAABQAAAAAAAAAAAA4D8AAAAAAADgPwAAAAAAAOA/AAAAAAAA4D8AAAAAAADgPwAAAAAAAOA/AAAAAAAA4D8AAAAAAADgPwAAAAAAAOA/AAAAAAAA4D8CAAAAjAAAAAAAAAAAAAAAu+DjDP///wgAAAAAAAAAAAAAAAAAAAAAAAAAAAAAAAAAAAAAZAAAAAEAAABAAAAAAAAAAAAAAAAAAAAAAAAAAAAAAAAAAAAAAAAAAAAAAAAAAAAAAAAAAAAAAAAAAAAAAAAAAAAAAAAAAAAAAAAAAAAAAAAAAAAAAAAAAAAAAAAAAAAAFAAAADwAAAAAAAAAAAAAAAAAAAkUAAAAAQAAABQAAAAUAAAAFAAAAAEAAAAAAAAAZAAAAGQAAAAAAAAAZAAAAGQAAAAVAAAAYAAAAAAAAAAAAAAADwAAACADAAAAAAAAAAAAAAEAAACgMgAAVgcAAKr4//8BAAAAf39/AAEAAABkAAAAAAAAABQAAABAHwAAAAAAACYAAAAAAAAAwOD//wAAAAAmAAAAZAAAABYAAABMAAAAAAAAAAAAAAAEAAAAAAAAAAEAAACAgIAKAAAAACgAAAAoAAAAZAAAAGQAAAAAAAAAzMzMAAAAAABQAAAAUAAAAGQAAABkAAAAAAAAABcAAAAUAAAAAAAAANwIAAD/fwAA/38AAAAAAAAJAAAABAAAAAAAAAAMAAAAEAAAAAAAAAAAAAAAAAAAAAAAAAAeAAAAaAAAAAAAAAAAAAAAAAAAAAAAAAAAAAAAECcAABAnAAAAAAAAAAAAAAAAAAAAAAAAAAAAAAAAAAAAAAAAAAAAABQAAAAAAAAAwMD/AAAAAABkAAAAMgAAAAAAAABkAAAAAAAAAH9/fwAKAAAAHwAAAFQAAAC74OMF////AQAAAAAAAAAAAAAAAAAAAAAAAAAAAAAAAAAAAAAAAAAAAAAAAn9/fwCAgIADzMzMAMDA/wB/f38AAAAAAAAAAAAAAAAAAAAAAAAAAAAhAAAAGAAAABQAAADJEAAA+xoAAKUZAAA7HQAAECAAACYAAAAIAAAA//////////8="/>
+                <pr:smNativeData xmlns:pr="smNativeData" val="SMDATA_13_IrKAXRMAAAAlAAAAEgAAAE8BAAAAkAAAAEgAAACQAAAASAAAAAAAAAAAAAAAAAAAAAEAAABQAAAAAAAAAAAA4D8AAAAAAADgPwAAAAAAAOA/AAAAAAAA4D8AAAAAAADgPwAAAAAAAOA/AAAAAAAA4D8AAAAAAADgPwAAAAAAAOA/AAAAAAAA4D8CAAAAjAAAAAAAAAAAAAAAu+DjDP///wgAAAAAAAAAAAAAAAAAAAAAAAAAAAAAAAAAAAAAZAAAAAEAAABAAAAAAAAAAAAAAAAAAAAAAAAAAAAAAAAAAAAAAAAAAAAAAAAAAAAAAAAAAAAAAAAAAAAAAAAAAAAAAAAAAAAAAAAAAAAAAAAAAAAAAAAAAAAAAAAAAAAAFAAAADwAAAAAAAAAAAAAAAAAAAkUAAAAAQAAABQAAAAUAAAAFAAAAAEAAAAAAAAAZAAAAGQAAAAAAAAAZAAAAGQAAAAVAAAAYAAAAAAAAAAAAAAADwAAACADAAAAAAAAAAAAAAEAAACgMgAAVgcAAKr4//8BAAAAf39/AAEAAABkAAAAAAAAABQAAABAHwAAAAAAACYAAAAAAAAAwOD//wAAAAAmAAAAZAAAABYAAABMAAAAAAAAAAAAAAAEAAAAAAAAAAEAAACAgIAKAAAAACgAAAAoAAAAZAAAAGQAAAAAAAAAzMzMAAAAAABQAAAAUAAAAGQAAABkAAAAAAAAABcAAAAUAAAAAAAAANwIAAD/fwAA/38AAAAAAAAJAAAABAAAAAAAAAAMAAAAEAAAAAAAAAAAAAAAAAAAAAAAAAAeAAAAaAAAAAAAAAAAAAAAAAAAAAAAAAAAAAAAECcAABAnAAAAAAAAAAAAAAAAAAAAAAAAAAAAAAAAAAAAAAAAAAAAABQAAAAAAAAAwMD/AAAAAABkAAAAMgAAAAAAAABkAAAAAAAAAH9/fwAKAAAAHwAAAFQAAAC74OMF////AQAAAAAAAAAAAAAAAAAAAAAAAAAAAAAAAAAAAAAAAAAAAAAAAn9/fwCAgIADzMzMAMDA/wB/f38AAAAAAAAAAAAAAAAAAAAAAAAAAAAhAAAAGAAAABQAAADJEAAA+xoAAKUZAAA7HQAAECAAACYAAAAIAAAA//////////8="/>
               </a:ext>
             </a:extLst>
           </p:cNvSpPr>
@@ -12291,7 +12305,7 @@
           <p:cNvSpPr>
             <a:extLst>
               <a:ext uri="smNativeData">
-                <pr:smNativeData xmlns:pr="smNativeData" val="SMDATA_13_BbpsXRMAAAAlAAAAZAAAAA8BAAAAkAAAAEgAAACQAAAASAAAAAAAAAAAAAAAAAAAAAEAAABQAAAAAAAAAAAA4D8AAAAAAADgPwAAAAAAAOA/AAAAAAAA4D8AAAAAAADgPwAAAAAAAOA/AAAAAAAA4D8AAAAAAADgPwAAAAAAAOA/AAAAAAAA4D8CAAAAjAAAAAEAAAAAAAAAhlHdAP///wgAAAAAAAAAAAAAAAAAAAAAAAAAAAAAAAAAAAAAZAAAAAEAAABAAAAAAAAAAAAAAAAAAAAAAAAAAAAAAAAAAAAAAAAAAAAAAAAAAAAAAAAAAAAAAAAAAAAAAAAAAAAAAAAAAAAAAAAAAAAAAAAAAAAAAAAAAAAAAAAAAAAAFAAAADwAAAABAAAAAAAAADYKngAoAAAAAQAAAAIAAAAAAAAAAAAAAAAAAAAAAAAAZAAAAGQAAAAAAAAAZAAAAGQAAAAVAAAAYAAAAAAAAAAAAAAADwAAACADAAAAAAAAAAAAAAEAAACgMgAAAAAAAAAAAAABAAAAf39/AAEAAABkAAAAAAAAABQAAABAHwAAAAAAACYAAAAAAAAAwOD//wAAAAAmAAAAZAAAABYAAABMAAAAAAAAAAAAAAAEAAAAAAAAAAEAAACAgIAKAAAAACgAAAAoAAAAZAAAAGQAAAAAAAAAzMzMAAAAAABQAAAAUAAAAGQAAABkAAAAAAAAABcAAAAUAAAAAAAAAAAAAAD/fwAA/38AAAAAAAAJAAAABAAAAAAAAAAMAAAAEAAAAAAAAAAAAAAAAAAAAAAAAAAeAAAAaAAAAAAAAAAAAAAAAAAAAAAAAAAAAAAAECcAABAnAAAAAAAAAAAAAAAAAAAAAAAAAAAAAAAAAAAAAAAAAAAAABQAAAAAAAAAwMD/AAAAAABkAAAAMgAAAAAAAABkAAAAAAAAAH9/fwAKAAAAHwAAAFQAAACGUd0A////AQAAAAAAAAAAAAAAAAAAAAAAAAAAAAAAAAAAAAAAAAAANgqeAH9/fwCAgIADzMzMAMDA/wB/f38AAAAAAAAAAAAAAAAAAAAAAAAAAAAhAAAAGAAAABQAAAB7DQAAeBYAAD8PAAA2GAAAEAAAACYAAAAIAAAA//////////8="/>
+                <pr:smNativeData xmlns:pr="smNativeData" val="SMDATA_13_IrKAXRMAAAAlAAAAZAAAAA8BAAAAkAAAAEgAAACQAAAASAAAAAAAAAAAAAAAAAAAAAEAAABQAAAAAAAAAAAA4D8AAAAAAADgPwAAAAAAAOA/AAAAAAAA4D8AAAAAAADgPwAAAAAAAOA/AAAAAAAA4D8AAAAAAADgPwAAAAAAAOA/AAAAAAAA4D8CAAAAjAAAAAEAAAAAAAAAhlHdAP///wgAAAAAAAAAAAAAAAAAAAAAAAAAAAAAAAAAAAAAZAAAAAEAAABAAAAAAAAAAAAAAAAAAAAAAAAAAAAAAAAAAAAAAAAAAAAAAAAAAAAAAAAAAAAAAAAAAAAAAAAAAAAAAAAAAAAAAAAAAAAAAAAAAAAAAAAAAAAAAAAAAAAAFAAAADwAAAABAAAAAAAAADYKngAoAAAAAQAAAAIAAAAAAAAAAAAAAAAAAAAAAAAAZAAAAGQAAAAAAAAAZAAAAGQAAAAVAAAAYAAAAAAAAAAAAAAADwAAACADAAAAAAAAAAAAAAEAAACgMgAAAAAAAAAAAAABAAAAf39/AAEAAABkAAAAAAAAABQAAABAHwAAAAAAACYAAAAAAAAAwOD//wAAAAAmAAAAZAAAABYAAABMAAAAAAAAAAAAAAAEAAAAAAAAAAEAAACAgIAKAAAAACgAAAAoAAAAZAAAAGQAAAAAAAAAzMzMAAAAAABQAAAAUAAAAGQAAABkAAAAAAAAABcAAAAUAAAAAAAAAAAAAAD/fwAA/38AAAAAAAAJAAAABAAAAAAAAAAMAAAAEAAAAAAAAAAAAAAAAAAAAAAAAAAeAAAAaAAAAAAAAAAAAAAAAAAAAAAAAAAAAAAAECcAABAnAAAAAAAAAAAAAAAAAAAAAAAAAAAAAAAAAAAAAAAAAAAAABQAAAAAAAAAwMD/AAAAAABkAAAAMgAAAAAAAABkAAAAAAAAAH9/fwAKAAAAHwAAAFQAAACGUd0A////AQAAAAAAAAAAAAAAAAAAAAAAAAAAAAAAAAAAAAAAAAAANgqeAH9/fwCAgIADzMzMAMDA/wB/f38AAAAAAAAAAAAAAAAAAAAAAAAAAAAhAAAAGAAAABQAAAB7DQAAeBYAAD8PAAA2GAAAEAAAACYAAAAIAAAA//////////8="/>
               </a:ext>
             </a:extLst>
           </p:cNvSpPr>
@@ -12325,7 +12339,7 @@
           <p:cNvSpPr>
             <a:extLst>
               <a:ext uri="smNativeData">
-                <pr:smNativeData xmlns:pr="smNativeData" val="SMDATA_13_BbpsXRMAAAAlAAAAyAAAAA8BAAAAkAAAAEgAAACQAAAASAAAAAAAAAAAAAAAAAAAAAEAAABQAAAAAIIphXg83z8IPYQeQg/RPwAAAAAAAOA/AAAAAAAA4D8AAAAAAADgPwAAAAAAAOA/AAAAAAAA4D8AAAAAAADgPwAAAAAAAOA/AAAAAAAA4D8CAAAAjAAAAAEAAAAAAAAANgqeAP///wgAAAAAAAAAAAAAAAAAAAAAAAAAAAAAAAAAAAAAZAAAAAEAAABAAAAAAAAAAAAAAAAAAAAAAAAAAAAAAAAAAAAAAAAAAAAAAAAAAAAAAAAAAAAAAAAAAAAAAAAAAAAAAAAAAAAAAAAAAAAAAAAAAAAAAAAAAAAAAAAAAAAAFAAAADwAAAAAAAAAAAAAAAAAAAkAAAAAAQAAAAAAAAAAAAAAAAAAAAAAAAAAAAAAZAAAAGQAAAAAAAAAZAAAAGQAAAAVAAAAYAAAAAAAAAAAAAAADwAAACADAAAAAAAAAAAAAAEAAACgMgAAAAAAAAAAAAABAAAAf39/AAEAAABkAAAAAAAAABQAAABAHwAAAAAAACYAAAAAAAAAwOD//wAAAAAmAAAAZAAAABYAAABMAAAAAAAAAAAAAAAEAAAAAAAAAAEAAACAgIAKAAAAACgAAAAoAAAAZAAAAGQAAAAAAAAAzMzMAAAAAABQAAAAUAAAAGQAAABkAAAAAAAAABcAAAAUAAAAAAAAAAAAAAD/fwAA/38AAAAAAAAJAAAABAAAAPf39/8MAAAAEAAAAAAAAAAAAAAAAAAAAAAAAAAeAAAAaAAAAAAAAAAAAAAAAAAAAAAAAAAAAAAAECcAABAnAAAAAAAAAAAAAAAAAAAAAAAAAAAAAAAAAAAAAAAAAAAAABQAAAAAAAAAwMD/AAAAAABkAAAAMgAAAAAAAABkAAAAAAAAAH9/fwAKAAAAHwAAAFQAAAA2Cp4A////AQAAAAAAAAAAAAAAAAAAAAAAAAAAAAAAAAAAAAAAAAAAAAAAAn9/fwCAgIADzMzMAMDA/wB/f38AAAAAAAAAAAAAAAAAAAAAAAAAAAAhAAAAGAAAABQAAACpDgAA1hYAAN4QAAAGGAAAEAAAACYAAAAIAAAA//////////8="/>
+                <pr:smNativeData xmlns:pr="smNativeData" val="SMDATA_13_IrKAXRMAAAAlAAAAyAAAAA8BAAAAkAAAAEgAAACQAAAASAAAAAAAAAAAAAAAAAAAAAEAAABQAAAAAIIphXg83z8IPYQeQg/RPwAAAAAAAOA/AAAAAAAA4D8AAAAAAADgPwAAAAAAAOA/AAAAAAAA4D8AAAAAAADgPwAAAAAAAOA/AAAAAAAA4D8CAAAAjAAAAAEAAAAAAAAANgqeAP///wgAAAAAAAAAAAAAAAAAAAAAAAAAAAAAAAAAAAAAZAAAAAEAAABAAAAAAAAAAAAAAAAAAAAAAAAAAAAAAAAAAAAAAAAAAAAAAAAAAAAAAAAAAAAAAAAAAAAAAAAAAAAAAAAAAAAAAAAAAAAAAAAAAAAAAAAAAAAAAAAAAAAAFAAAADwAAAAAAAAAAAAAAAAAAAkAAAAAAQAAAAAAAAAAAAAAAAAAAAAAAAAAAAAAZAAAAGQAAAAAAAAAZAAAAGQAAAAVAAAAYAAAAAAAAAAAAAAADwAAACADAAAAAAAAAAAAAAEAAACgMgAAAAAAAAAAAAABAAAAf39/AAEAAABkAAAAAAAAABQAAABAHwAAAAAAACYAAAAAAAAAwOD//wAAAAAmAAAAZAAAABYAAABMAAAAAAAAAAAAAAAEAAAAAAAAAAEAAACAgIAKAAAAACgAAAAoAAAAZAAAAGQAAAAAAAAAzMzMAAAAAABQAAAAUAAAAGQAAABkAAAAAAAAABcAAAAUAAAAAAAAAAAAAAD/fwAA/38AAAAAAAAJAAAABAAAAPf39/8MAAAAEAAAAAAAAAAAAAAAAAAAAAAAAAAeAAAAaAAAAAAAAAAAAAAAAAAAAAAAAAAAAAAAECcAABAnAAAAAAAAAAAAAAAAAAAAAAAAAAAAAAAAAAAAAAAAAAAAABQAAAAAAAAAwMD/AAAAAABkAAAAMgAAAAAAAABkAAAAAAAAAH9/fwAKAAAAHwAAAFQAAAA2Cp4A////AQAAAAAAAAAAAAAAAAAAAAAAAAAAAAAAAAAAAAAAAAAAAAAAAn9/fwCAgIADzMzMAMDA/wB/f38AAAAAAAAAAAAAAAAAAAAAAAAAAAAhAAAAGAAAABQAAACpDgAA1hYAAN4QAAAGGAAAEAAAACYAAAAIAAAA//////////8="/>
               </a:ext>
             </a:extLst>
           </p:cNvSpPr>
@@ -12357,7 +12371,7 @@
           <p:cNvSpPr txBox="1">
             <a:extLst>
               <a:ext uri="smNativeData">
-                <pr:smNativeData xmlns:pr="smNativeData" val="SMDATA_13_BbpsXRMAAAAlAAAAEgAAAE8BAAAAkAAAAEgAAACQAAAASAAAAAAAAAAAAAAAAAAAAAEAAABQAAAAAAAAAAAA4D8AAAAAAADgPwAAAAAAAOA/AAAAAAAA4D8AAAAAAADgPwAAAAAAAOA/AAAAAAAA4D8AAAAAAADgPwAAAAAAAOA/AAAAAAAA4D8CAAAAjAAAAAAAAAAAAAAAu+DjDP///wgAAAAAAAAAAAAAAAAAAAAAAAAAAAAAAAAAAAAAZAAAAAEAAABAAAAAAAAAAAAAAAAAAAAAAAAAAAAAAAAAAAAAAAAAAAAAAAAAAAAAAAAAAAAAAAAAAAAAAAAAAAAAAAAAAAAAAAAAAAAAAAAAAAAAAAAAAAAAAAAAAAAAFAAAADwAAAAAAAAAAAAAAAAAAAkUAAAAAQAAABQAAAAUAAAAFAAAAAEAAAAAAAAAZAAAAGQAAAAAAAAAZAAAAGQAAAAVAAAAYAAAAAAAAAAAAAAADwAAACADAAAAAAAAAAAAAAEAAACgMgAAVgcAAKr4//8BAAAAf39/AAEAAABkAAAAAAAAABQAAABAHwAAAAAAACYAAAAAAAAAwOD//wAAAAAmAAAAZAAAABYAAABMAAAAAAAAAAAAAAAEAAAAAAAAAAEAAACAgIAKAAAAACgAAAAoAAAAZAAAAGQAAAAAAAAAzMzMAAAAAABQAAAAUAAAAGQAAABkAAAAAAAAABcAAAAUAAAAAAAAANwIAAD/fwAA/38AAAAAAAAJAAAABAAAAAAAAAAMAAAAEAAAAAAAAAAAAAAAAAAAAAAAAAAeAAAAaAAAAAAAAAAAAAAAAAAAAAAAAAAAAAAAECcAABAnAAAAAAAAAAAAAAAAAAAAAAAAAAAAAAAAAAAAAAAAAAAAABQAAAAAAAAAwMD/AAAAAABkAAAAMgAAAAAAAABkAAAAAAAAAH9/fwAKAAAAHwAAAFQAAAC74OMF////AQAAAAAAAAAAAAAAAAAAAAAAAAAAAAAAAAAAAAAAAAAAAAAAAn9/fwCAgIADzMzMAMDA/wB/f38AAAAAAAAAAAAAAAAAAAAAAAAAAAAhAAAAGAAAABQAAADJEAAASxYAAKUZAACLGAAAECAAACYAAAAIAAAA//////////8="/>
+                <pr:smNativeData xmlns:pr="smNativeData" val="SMDATA_13_IrKAXRMAAAAlAAAAEgAAAE8BAAAAkAAAAEgAAACQAAAASAAAAAAAAAAAAAAAAAAAAAEAAABQAAAAAAAAAAAA4D8AAAAAAADgPwAAAAAAAOA/AAAAAAAA4D8AAAAAAADgPwAAAAAAAOA/AAAAAAAA4D8AAAAAAADgPwAAAAAAAOA/AAAAAAAA4D8CAAAAjAAAAAAAAAAAAAAAu+DjDP///wgAAAAAAAAAAAAAAAAAAAAAAAAAAAAAAAAAAAAAZAAAAAEAAABAAAAAAAAAAAAAAAAAAAAAAAAAAAAAAAAAAAAAAAAAAAAAAAAAAAAAAAAAAAAAAAAAAAAAAAAAAAAAAAAAAAAAAAAAAAAAAAAAAAAAAAAAAAAAAAAAAAAAFAAAADwAAAAAAAAAAAAAAAAAAAkUAAAAAQAAABQAAAAUAAAAFAAAAAEAAAAAAAAAZAAAAGQAAAAAAAAAZAAAAGQAAAAVAAAAYAAAAAAAAAAAAAAADwAAACADAAAAAAAAAAAAAAEAAACgMgAAVgcAAKr4//8BAAAAf39/AAEAAABkAAAAAAAAABQAAABAHwAAAAAAACYAAAAAAAAAwOD//wAAAAAmAAAAZAAAABYAAABMAAAAAAAAAAAAAAAEAAAAAAAAAAEAAACAgIAKAAAAACgAAAAoAAAAZAAAAGQAAAAAAAAAzMzMAAAAAABQAAAAUAAAAGQAAABkAAAAAAAAABcAAAAUAAAAAAAAANwIAAD/fwAA/38AAAAAAAAJAAAABAAAAAAAAAAMAAAAEAAAAAAAAAAAAAAAAAAAAAAAAAAeAAAAaAAAAAAAAAAAAAAAAAAAAAAAAAAAAAAAECcAABAnAAAAAAAAAAAAAAAAAAAAAAAAAAAAAAAAAAAAAAAAAAAAABQAAAAAAAAAwMD/AAAAAABkAAAAMgAAAAAAAABkAAAAAAAAAH9/fwAKAAAAHwAAAFQAAAC74OMF////AQAAAAAAAAAAAAAAAAAAAAAAAAAAAAAAAAAAAAAAAAAAAAAAAn9/fwCAgIADzMzMAMDA/wB/f38AAAAAAAAAAAAAAAAAAAAAAAAAAAAhAAAAGAAAABQAAADJEAAASxYAAKUZAACLGAAAECAAACYAAAAIAAAA//////////8="/>
               </a:ext>
             </a:extLst>
           </p:cNvSpPr>
@@ -12403,7 +12417,7 @@
           <p:cNvSpPr>
             <a:extLst>
               <a:ext uri="smNativeData">
-                <pr:smNativeData xmlns:pr="smNativeData" val="SMDATA_13_BbpsXRMAAAAlAAAAZAAAAA8BAAAAkAAAAEgAAACQAAAASAAAAAAAAAAAAAAAAAAAAAEAAABQAAAAAAAAAAAA4D8AAAAAAADgPwAAAAAAAOA/AAAAAAAA4D8AAAAAAADgPwAAAAAAAOA/AAAAAAAA4D8AAAAAAADgPwAAAAAAAOA/AAAAAAAA4D8CAAAAjAAAAAEAAAAAAAAASdZJAP///wgAAAAAAAAAAAAAAAAAAAAAAAAAAAAAAAAAAAAAZAAAAAEAAABAAAAAAAAAAAAAAAAAAAAAAAAAAAAAAAAAAAAAAAAAAAAAAAAAAAAAAAAAAAAAAAAAAAAAAAAAAAAAAAAAAAAAAAAAAAAAAAAAAAAAAAAAAAAAAAAAAAAAFAAAADwAAAABAAAAAAAAABx9HAAoAAAAAQAAAAIAAAAAAAAAAAAAAAAAAAAAAAAAZAAAAGQAAAAAAAAAZAAAAGQAAAAVAAAAYAAAAAAAAAAAAAAADwAAACADAAAAAAAAAAAAAAEAAACgMgAAAAAAAAAAAAABAAAAf39/AAEAAABkAAAAAAAAABQAAABAHwAAAAAAACYAAAAAAAAAwOD//wAAAAAmAAAAZAAAABYAAABMAAAAAAAAAAAAAAAEAAAAAAAAAAEAAACAgIAKAAAAACgAAAAoAAAAZAAAAGQAAAAAAAAAzMzMAAAAAABQAAAAUAAAAGQAAABkAAAAAAAAABcAAAAUAAAAAAAAAAAAAAD/fwAA/38AAAAAAAAJAAAABAAAAHlsZT4MAAAAEAAAAAAAAAAAAAAAAAAAAAAAAAAeAAAAaAAAAAAAAAAAAAAAAAAAAAAAAAAAAAAAECcAABAnAAAAAAAAAAAAAAAAAAAAAAAAAAAAAAAAAAAAAAAAAAAAABQAAAAAAAAAwMD/AAAAAABkAAAAMgAAAAAAAABkAAAAAAAAAH9/fwAKAAAAHwAAAFQAAABJ1kkA////AQAAAAAAAAAAAAAAAAAAAAAAAAAAAAAAAAAAAAAAAAAAHH0cAH9/fwCAgIADzMzMAMDA/wB/f38AAAAAAAAAAAAAAAAAAAAAAAAAAAAhAAAAGAAAABQAAAB5DQAACCAAAD0PAADGIQAAEAAAACYAAAAIAAAA//////////8="/>
+                <pr:smNativeData xmlns:pr="smNativeData" val="SMDATA_13_IrKAXRMAAAAlAAAAZAAAAA8BAAAAkAAAAEgAAACQAAAASAAAAAAAAAAAAAAAAAAAAAEAAABQAAAAAAAAAAAA4D8AAAAAAADgPwAAAAAAAOA/AAAAAAAA4D8AAAAAAADgPwAAAAAAAOA/AAAAAAAA4D8AAAAAAADgPwAAAAAAAOA/AAAAAAAA4D8CAAAAjAAAAAEAAAAAAAAASdZJAP///wgAAAAAAAAAAAAAAAAAAAAAAAAAAAAAAAAAAAAAZAAAAAEAAABAAAAAAAAAAAAAAAAAAAAAAAAAAAAAAAAAAAAAAAAAAAAAAAAAAAAAAAAAAAAAAAAAAAAAAAAAAAAAAAAAAAAAAAAAAAAAAAAAAAAAAAAAAAAAAAAAAAAAFAAAADwAAAABAAAAAAAAABx9HAAoAAAAAQAAAAIAAAAAAAAAAAAAAAAAAAAAAAAAZAAAAGQAAAAAAAAAZAAAAGQAAAAVAAAAYAAAAAAAAAAAAAAADwAAACADAAAAAAAAAAAAAAEAAACgMgAAAAAAAAAAAAABAAAAf39/AAEAAABkAAAAAAAAABQAAABAHwAAAAAAACYAAAAAAAAAwOD//wAAAAAmAAAAZAAAABYAAABMAAAAAAAAAAAAAAAEAAAAAAAAAAEAAACAgIAKAAAAACgAAAAoAAAAZAAAAGQAAAAAAAAAzMzMAAAAAABQAAAAUAAAAGQAAABkAAAAAAAAABcAAAAUAAAAAAAAAAAAAAD/fwAA/38AAAAAAAAJAAAABAAAAHlsZT4MAAAAEAAAAAAAAAAAAAAAAAAAAAAAAAAeAAAAaAAAAAAAAAAAAAAAAAAAAAAAAAAAAAAAECcAABAnAAAAAAAAAAAAAAAAAAAAAAAAAAAAAAAAAAAAAAAAAAAAABQAAAAAAAAAwMD/AAAAAABkAAAAMgAAAAAAAABkAAAAAAAAAH9/fwAKAAAAHwAAAFQAAABJ1kkA////AQAAAAAAAAAAAAAAAAAAAAAAAAAAAAAAAAAAAAAAAAAAHH0cAH9/fwCAgIADzMzMAMDA/wB/f38AAAAAAAAAAAAAAAAAAAAAAAAAAAAhAAAAGAAAABQAAAB5DQAACCAAAD0PAADGIQAAEAAAACYAAAAIAAAA//////////8="/>
               </a:ext>
             </a:extLst>
           </p:cNvSpPr>
@@ -12437,7 +12451,7 @@
           <p:cNvSpPr>
             <a:extLst>
               <a:ext uri="smNativeData">
-                <pr:smNativeData xmlns:pr="smNativeData" val="SMDATA_13_BbpsXRMAAAAlAAAAyAAAAA8BAAAAkAAAAEgAAACQAAAASAAAAAAAAAAAAAAAAAAAAAEAAABQAAAAAIIphXg83z8IPYQeQg/RPwAAAAAAAOA/AAAAAAAA4D8AAAAAAADgPwAAAAAAAOA/AAAAAAAA4D8AAAAAAADgPwAAAAAAAOA/AAAAAAAA4D8CAAAAjAAAAAEAAAAAAAAAHH0cAP///wgAAAAAAAAAAAAAAAAAAAAAAAAAAAAAAAAAAAAAZAAAAAEAAABAAAAAAAAAAAAAAAAAAAAAAAAAAAAAAAAAAAAAAAAAAAAAAAAAAAAAAAAAAAAAAAAAAAAAAAAAAAAAAAAAAAAAAAAAAAAAAAAAAAAAAAAAAAAAAAAAAAAAFAAAADwAAAAAAAAAAAAAAAAAAAkAAAAAAQAAAAAAAAAAAAAAAAAAAAAAAAAAAAAAZAAAAGQAAAAAAAAAZAAAAGQAAAAVAAAAYAAAAAAAAAAAAAAADwAAACADAAAAAAAAAAAAAAEAAACgMgAAAAAAAAAAAAABAAAAf39/AAEAAABkAAAAAAAAABQAAABAHwAAAAAAACYAAAAAAAAAwOD//wAAAAAmAAAAZAAAABYAAABMAAAAAAAAAAAAAAAEAAAAAAAAAAEAAACAgIAKAAAAACgAAAAoAAAAZAAAAGQAAAAAAAAAzMzMAAAAAABQAAAAUAAAAGQAAABkAAAAAAAAABcAAAAUAAAAAAAAAAAAAAD/fwAA/38AAAAAAAAJAAAABAAAAAEAAAAMAAAAEAAAAAAAAAAAAAAAAAAAAAAAAAAeAAAAaAAAAAAAAAAAAAAAAAAAAAAAAAAAAAAAECcAABAnAAAAAAAAAAAAAAAAAAAAAAAAAAAAAAAAAAAAAAAAAAAAABQAAAAAAAAAwMD/AAAAAABkAAAAMgAAAAAAAABkAAAAAAAAAH9/fwAKAAAAHwAAAFQAAAAcfRwA////AQAAAAAAAAAAAAAAAAAAAAAAAAAAAAAAAAAAAAAAAAAAAAAAAn9/fwCAgIADzMzMAMDA/wB/f38AAAAAAAAAAAAAAAAAAAAAAAAAAAAhAAAAGAAAABQAAACnDgAAZiAAANwQAACWIQAAEAAAACYAAAAIAAAA//////////8="/>
+                <pr:smNativeData xmlns:pr="smNativeData" val="SMDATA_13_IrKAXRMAAAAlAAAAyAAAAA8BAAAAkAAAAEgAAACQAAAASAAAAAAAAAAAAAAAAAAAAAEAAABQAAAAAIIphXg83z8IPYQeQg/RPwAAAAAAAOA/AAAAAAAA4D8AAAAAAADgPwAAAAAAAOA/AAAAAAAA4D8AAAAAAADgPwAAAAAAAOA/AAAAAAAA4D8CAAAAjAAAAAEAAAAAAAAAHH0cAP///wgAAAAAAAAAAAAAAAAAAAAAAAAAAAAAAAAAAAAAZAAAAAEAAABAAAAAAAAAAAAAAAAAAAAAAAAAAAAAAAAAAAAAAAAAAAAAAAAAAAAAAAAAAAAAAAAAAAAAAAAAAAAAAAAAAAAAAAAAAAAAAAAAAAAAAAAAAAAAAAAAAAAAFAAAADwAAAAAAAAAAAAAAAAAAAkAAAAAAQAAAAAAAAAAAAAAAAAAAAAAAAAAAAAAZAAAAGQAAAAAAAAAZAAAAGQAAAAVAAAAYAAAAAAAAAAAAAAADwAAACADAAAAAAAAAAAAAAEAAACgMgAAAAAAAAAAAAABAAAAf39/AAEAAABkAAAAAAAAABQAAABAHwAAAAAAACYAAAAAAAAAwOD//wAAAAAmAAAAZAAAABYAAABMAAAAAAAAAAAAAAAEAAAAAAAAAAEAAACAgIAKAAAAACgAAAAoAAAAZAAAAGQAAAAAAAAAzMzMAAAAAABQAAAAUAAAAGQAAABkAAAAAAAAABcAAAAUAAAAAAAAAAAAAAD/fwAA/38AAAAAAAAJAAAABAAAAAEAAAAMAAAAEAAAAAAAAAAAAAAAAAAAAAAAAAAeAAAAaAAAAAAAAAAAAAAAAAAAAAAAAAAAAAAAECcAABAnAAAAAAAAAAAAAAAAAAAAAAAAAAAAAAAAAAAAAAAAAAAAABQAAAAAAAAAwMD/AAAAAABkAAAAMgAAAAAAAABkAAAAAAAAAH9/fwAKAAAAHwAAAFQAAAAcfRwA////AQAAAAAAAAAAAAAAAAAAAAAAAAAAAAAAAAAAAAAAAAAAAAAAAn9/fwCAgIADzMzMAMDA/wB/f38AAAAAAAAAAAAAAAAAAAAAAAAAAAAhAAAAGAAAABQAAACnDgAAZiAAANwQAACWIQAAEAAAACYAAAAIAAAA//////////8="/>
               </a:ext>
             </a:extLst>
           </p:cNvSpPr>
@@ -12469,7 +12483,7 @@
           <p:cNvSpPr txBox="1">
             <a:extLst>
               <a:ext uri="smNativeData">
-                <pr:smNativeData xmlns:pr="smNativeData" val="SMDATA_13_BbpsXRMAAAAlAAAAEgAAAE8BAAAAkAAAAEgAAACQAAAASAAAAAAAAAAAAAAAAAAAAAEAAABQAAAAAAAAAAAA4D8AAAAAAADgPwAAAAAAAOA/AAAAAAAA4D8AAAAAAADgPwAAAAAAAOA/AAAAAAAA4D8AAAAAAADgPwAAAAAAAOA/AAAAAAAA4D8CAAAAjAAAAAAAAAAAAAAAu+DjDP///wgAAAAAAAAAAAAAAAAAAAAAAAAAAAAAAAAAAAAAZAAAAAEAAABAAAAAAAAAAAAAAAAAAAAAAAAAAAAAAAAAAAAAAAAAAAAAAAAAAAAAAAAAAAAAAAAAAAAAAAAAAAAAAAAAAAAAAAAAAAAAAAAAAAAAAAAAAAAAAAAAAAAAFAAAADwAAAAAAAAAAAAAAAAAAAkUAAAAAQAAABQAAAAUAAAAFAAAAAEAAAAAAAAAZAAAAGQAAAAAAAAAZAAAAGQAAAAVAAAAYAAAAAAAAAAAAAAADwAAACADAAAAAAAAAAAAAAEAAACgMgAAVgcAAKr4//8BAAAAf39/AAEAAABkAAAAAAAAABQAAABAHwAAAAAAACYAAAAAAAAAwOD//wAAAAAmAAAAZAAAABYAAABMAAAAAAAAAAAAAAAEAAAAAAAAAAEAAACAgIAKAAAAACgAAAAoAAAAZAAAAGQAAAAAAAAAzMzMAAAAAABQAAAAUAAAAGQAAABkAAAAAAAAABcAAAAUAAAAAAAAANwIAAD/fwAA/38AAAAAAAAJAAAABAAAAAAAAAAMAAAAEAAAAAAAAAAAAAAAAAAAAAAAAAAeAAAAaAAAAAAAAAAAAAAAAAAAAAAAAAAAAAAAECcAABAnAAAAAAAAAAAAAAAAAAAAAAAAAAAAAAAAAAAAAAAAAAAAABQAAAAAAAAAwMD/AAAAAABkAAAAMgAAAAAAAABkAAAAAAAAAH9/fwAKAAAAHwAAAFQAAAC74OMF////AQAAAAAAAAAAAAAAAAAAAAAAAAAAAAAAAAAAAAAAAAAAAAAAAn9/fwCAgIADzMzMAMDA/wB/f38AAAAAAAAAAAAAAAAAAAAAAAAAAAAhAAAAGAAAABQAAADHEAAA2x8AAKMZAAAbIgAAECAAACYAAAAIAAAA//////////8="/>
+                <pr:smNativeData xmlns:pr="smNativeData" val="SMDATA_13_IrKAXRMAAAAlAAAAEgAAAE8BAAAAkAAAAEgAAACQAAAASAAAAAAAAAAAAAAAAAAAAAEAAABQAAAAAAAAAAAA4D8AAAAAAADgPwAAAAAAAOA/AAAAAAAA4D8AAAAAAADgPwAAAAAAAOA/AAAAAAAA4D8AAAAAAADgPwAAAAAAAOA/AAAAAAAA4D8CAAAAjAAAAAAAAAAAAAAAu+DjDP///wgAAAAAAAAAAAAAAAAAAAAAAAAAAAAAAAAAAAAAZAAAAAEAAABAAAAAAAAAAAAAAAAAAAAAAAAAAAAAAAAAAAAAAAAAAAAAAAAAAAAAAAAAAAAAAAAAAAAAAAAAAAAAAAAAAAAAAAAAAAAAAAAAAAAAAAAAAAAAAAAAAAAAFAAAADwAAAAAAAAAAAAAAAAAAAkUAAAAAQAAABQAAAAUAAAAFAAAAAEAAAAAAAAAZAAAAGQAAAAAAAAAZAAAAGQAAAAVAAAAYAAAAAAAAAAAAAAADwAAACADAAAAAAAAAAAAAAEAAACgMgAAVgcAAKr4//8BAAAAf39/AAEAAABkAAAAAAAAABQAAABAHwAAAAAAACYAAAAAAAAAwOD//wAAAAAmAAAAZAAAABYAAABMAAAAAAAAAAAAAAAEAAAAAAAAAAEAAACAgIAKAAAAACgAAAAoAAAAZAAAAGQAAAAAAAAAzMzMAAAAAABQAAAAUAAAAGQAAABkAAAAAAAAABcAAAAUAAAAAAAAANwIAAD/fwAA/38AAAAAAAAJAAAABAAAAAAAAAAMAAAAEAAAAAAAAAAAAAAAAAAAAAAAAAAeAAAAaAAAAAAAAAAAAAAAAAAAAAAAAAAAAAAAECcAABAnAAAAAAAAAAAAAAAAAAAAAAAAAAAAAAAAAAAAAAAAAAAAABQAAAAAAAAAwMD/AAAAAABkAAAAMgAAAAAAAABkAAAAAAAAAH9/fwAKAAAAHwAAAFQAAAC74OMF////AQAAAAAAAAAAAAAAAAAAAAAAAAAAAAAAAAAAAAAAAAAAAAAAAn9/fwCAgIADzMzMAMDA/wB/f38AAAAAAAAAAAAAAAAAAAAAAAAAAAAhAAAAGAAAABQAAADHEAAA2x8AAKMZAAAbIgAAECAAACYAAAAIAAAA//////////8="/>
               </a:ext>
             </a:extLst>
           </p:cNvSpPr>
@@ -12515,7 +12529,7 @@
           <p:cNvSpPr>
             <a:extLst>
               <a:ext uri="smNativeData">
-                <pr:smNativeData xmlns:pr="smNativeData" val="SMDATA_13_BbpsXRMAAAAlAAAAZAAAAA8BAAAAkAAAAEgAAACQAAAASAAAAAAAAAAAAAAAAAAAAAEAAABQAAAAAAAAAAAA4D8AAAAAAADgPwAAAAAAAOA/AAAAAAAA4D8AAAAAAADgPwAAAAAAAOA/AAAAAAAA4D8AAAAAAADgPwAAAAAAAOA/AAAAAAAA4D8CAAAAjAAAAAEAAAAAAAAASdZJAP///wgAAAAAAAAAAAAAAAAAAAAAAAAAAAAAAAAAAAAAZAAAAAEAAABAAAAAAAAAAAAAAAAAAAAAAAAAAAAAAAAAAAAAAAAAAAAAAAAAAAAAAAAAAAAAAAAAAAAAAAAAAAAAAAAAAAAAAAAAAAAAAAAAAAAAAAAAAAAAAAAAAAAAFAAAADwAAAABAAAAAAAAABx9HAAoAAAAAQAAAAIAAAAAAAAAAAAAAAAAAAAAAAAAZAAAAGQAAAAAAAAAZAAAAGQAAAAVAAAAYAAAAAAAAAAAAAAADwAAACADAAAAAAAAAAAAAAEAAACgMgAAAAAAAAAAAAABAAAAf39/AAEAAABkAAAAAAAAABQAAABAHwAAAAAAACYAAAAAAAAAwOD//wAAAAAmAAAAZAAAABYAAABMAAAAAAAAAAAAAAAEAAAAAAAAAAEAAACAgIAKAAAAACgAAAAoAAAAZAAAAGQAAAAAAAAAzMzMAAAAAABQAAAAUAAAAGQAAABkAAAAAAAAABcAAAAUAAAAAAAAAAAAAAD/fwAA/38AAAAAAAAJAAAABAAAAAAAAAAMAAAAEAAAAAAAAAAAAAAAAAAAAAAAAAAeAAAAaAAAAAAAAAAAAAAAAAAAAAAAAAAAAAAAECcAABAnAAAAAAAAAAAAAAAAAAAAAAAAAAAAAAAAAAAAAAAAAAAAABQAAAAAAAAAwMD/AAAAAABkAAAAMgAAAAAAAABkAAAAAAAAAH9/fwAKAAAAHwAAAFQAAABJ1kkA////AQAAAAAAAAAAAAAAAAAAAAAAAAAAAAAAAAAAAAAAAAAAHH0cAH9/fwCAgIADzMzMAMDA/wB/f38AAAAAAAAAAAAAAAAAAAAAAAAAAAAhAAAAGAAAABQAAAB5DQAAYCIAAD0PAAAeJAAAEAAAACYAAAAIAAAA//////////8="/>
+                <pr:smNativeData xmlns:pr="smNativeData" val="SMDATA_13_IrKAXRMAAAAlAAAAZAAAAA8BAAAAkAAAAEgAAACQAAAASAAAAAAAAAAAAAAAAAAAAAEAAABQAAAAAAAAAAAA4D8AAAAAAADgPwAAAAAAAOA/AAAAAAAA4D8AAAAAAADgPwAAAAAAAOA/AAAAAAAA4D8AAAAAAADgPwAAAAAAAOA/AAAAAAAA4D8CAAAAjAAAAAEAAAAAAAAASdZJAP///wgAAAAAAAAAAAAAAAAAAAAAAAAAAAAAAAAAAAAAZAAAAAEAAABAAAAAAAAAAAAAAAAAAAAAAAAAAAAAAAAAAAAAAAAAAAAAAAAAAAAAAAAAAAAAAAAAAAAAAAAAAAAAAAAAAAAAAAAAAAAAAAAAAAAAAAAAAAAAAAAAAAAAFAAAADwAAAABAAAAAAAAABx9HAAoAAAAAQAAAAIAAAAAAAAAAAAAAAAAAAAAAAAAZAAAAGQAAAAAAAAAZAAAAGQAAAAVAAAAYAAAAAAAAAAAAAAADwAAACADAAAAAAAAAAAAAAEAAACgMgAAAAAAAAAAAAABAAAAf39/AAEAAABkAAAAAAAAABQAAABAHwAAAAAAACYAAAAAAAAAwOD//wAAAAAmAAAAZAAAABYAAABMAAAAAAAAAAAAAAAEAAAAAAAAAAEAAACAgIAKAAAAACgAAAAoAAAAZAAAAGQAAAAAAAAAzMzMAAAAAABQAAAAUAAAAGQAAABkAAAAAAAAABcAAAAUAAAAAAAAAAAAAAD/fwAA/38AAAAAAAAJAAAABAAAAAAAAAAMAAAAEAAAAAAAAAAAAAAAAAAAAAAAAAAeAAAAaAAAAAAAAAAAAAAAAAAAAAAAAAAAAAAAECcAABAnAAAAAAAAAAAAAAAAAAAAAAAAAAAAAAAAAAAAAAAAAAAAABQAAAAAAAAAwMD/AAAAAABkAAAAMgAAAAAAAABkAAAAAAAAAH9/fwAKAAAAHwAAAFQAAABJ1kkA////AQAAAAAAAAAAAAAAAAAAAAAAAAAAAAAAAAAAAAAAAAAAHH0cAH9/fwCAgIADzMzMAMDA/wB/f38AAAAAAAAAAAAAAAAAAAAAAAAAAAAhAAAAGAAAABQAAAB5DQAAYCIAAD0PAAAeJAAAEAAAACYAAAAIAAAA//////////8="/>
               </a:ext>
             </a:extLst>
           </p:cNvSpPr>
@@ -12549,7 +12563,7 @@
           <p:cNvSpPr>
             <a:extLst>
               <a:ext uri="smNativeData">
-                <pr:smNativeData xmlns:pr="smNativeData" val="SMDATA_13_BbpsXRMAAAAlAAAAyAAAAA8BAAAAkAAAAEgAAACQAAAASAAAAAAAAAAAAAAAAAAAAAEAAABQAAAAAIIphXg83z8IPYQeQg/RPwAAAAAAAOA/AAAAAAAA4D8AAAAAAADgPwAAAAAAAOA/AAAAAAAA4D8AAAAAAADgPwAAAAAAAOA/AAAAAAAA4D8CAAAAjAAAAAEAAAAAAAAAHH0cAP///wgAAAAAAAAAAAAAAAAAAAAAAAAAAAAAAAAAAAAAZAAAAAEAAABAAAAAAAAAAAAAAAAAAAAAAAAAAAAAAAAAAAAAAAAAAAAAAAAAAAAAAAAAAAAAAAAAAAAAAAAAAAAAAAAAAAAAAAAAAAAAAAAAAAAAAAAAAAAAAAAAAAAAFAAAADwAAAAAAAAAAAAAAAAAAAkAAAAAAQAAAAAAAAAAAAAAAAAAAAAAAAAAAAAAZAAAAGQAAAAAAAAAZAAAAGQAAAAVAAAAYAAAAAAAAAAAAAAADwAAACADAAAAAAAAAAAAAAEAAACgMgAAAAAAAAAAAAABAAAAf39/AAEAAABkAAAAAAAAABQAAABAHwAAAAAAACYAAAAAAAAAwOD//wAAAAAmAAAAZAAAABYAAABMAAAAAAAAAAAAAAAEAAAAAAAAAAEAAACAgIAKAAAAACgAAAAoAAAAZAAAAGQAAAAAAAAAzMzMAAAAAABQAAAAUAAAAGQAAABkAAAAAAAAABcAAAAUAAAAAAAAAAAAAAD/fwAA/38AAAAAAAAJAAAABAAAAAAAAAAMAAAAEAAAAAAAAAAAAAAAAAAAAAAAAAAeAAAAaAAAAAAAAAAAAAAAAAAAAAAAAAAAAAAAECcAABAnAAAAAAAAAAAAAAAAAAAAAAAAAAAAAAAAAAAAAAAAAAAAABQAAAAAAAAAwMD/AAAAAABkAAAAMgAAAAAAAABkAAAAAAAAAH9/fwAKAAAAHwAAAFQAAAAcfRwA////AQAAAAAAAAAAAAAAAAAAAAAAAAAAAAAAAAAAAAAAAAAAAAAAAn9/fwCAgIADzMzMAMDA/wB/f38AAAAAAAAAAAAAAAAAAAAAAAAAAAAhAAAAGAAAABQAAACnDgAAviIAANwQAADuIwAAEAAAACYAAAAIAAAA//////////8="/>
+                <pr:smNativeData xmlns:pr="smNativeData" val="SMDATA_13_IrKAXRMAAAAlAAAAyAAAAA8BAAAAkAAAAEgAAACQAAAASAAAAAAAAAAAAAAAAAAAAAEAAABQAAAAAIIphXg83z8IPYQeQg/RPwAAAAAAAOA/AAAAAAAA4D8AAAAAAADgPwAAAAAAAOA/AAAAAAAA4D8AAAAAAADgPwAAAAAAAOA/AAAAAAAA4D8CAAAAjAAAAAEAAAAAAAAAHH0cAP///wgAAAAAAAAAAAAAAAAAAAAAAAAAAAAAAAAAAAAAZAAAAAEAAABAAAAAAAAAAAAAAAAAAAAAAAAAAAAAAAAAAAAAAAAAAAAAAAAAAAAAAAAAAAAAAAAAAAAAAAAAAAAAAAAAAAAAAAAAAAAAAAAAAAAAAAAAAAAAAAAAAAAAFAAAADwAAAAAAAAAAAAAAAAAAAkAAAAAAQAAAAAAAAAAAAAAAAAAAAAAAAAAAAAAZAAAAGQAAAAAAAAAZAAAAGQAAAAVAAAAYAAAAAAAAAAAAAAADwAAACADAAAAAAAAAAAAAAEAAACgMgAAAAAAAAAAAAABAAAAf39/AAEAAABkAAAAAAAAABQAAABAHwAAAAAAACYAAAAAAAAAwOD//wAAAAAmAAAAZAAAABYAAABMAAAAAAAAAAAAAAAEAAAAAAAAAAEAAACAgIAKAAAAACgAAAAoAAAAZAAAAGQAAAAAAAAAzMzMAAAAAABQAAAAUAAAAGQAAABkAAAAAAAAABcAAAAUAAAAAAAAAAAAAAD/fwAA/38AAAAAAAAJAAAABAAAAAAAAAAMAAAAEAAAAAAAAAAAAAAAAAAAAAAAAAAeAAAAaAAAAAAAAAAAAAAAAAAAAAAAAAAAAAAAECcAABAnAAAAAAAAAAAAAAAAAAAAAAAAAAAAAAAAAAAAAAAAAAAAABQAAAAAAAAAwMD/AAAAAABkAAAAMgAAAAAAAABkAAAAAAAAAH9/fwAKAAAAHwAAAFQAAAAcfRwA////AQAAAAAAAAAAAAAAAAAAAAAAAAAAAAAAAAAAAAAAAAAAAAAAAn9/fwCAgIADzMzMAMDA/wB/f38AAAAAAAAAAAAAAAAAAAAAAAAAAAAhAAAAGAAAABQAAACnDgAAviIAANwQAADuIwAAEAAAACYAAAAIAAAA//////////8="/>
               </a:ext>
             </a:extLst>
           </p:cNvSpPr>
@@ -12581,7 +12595,7 @@
           <p:cNvSpPr txBox="1">
             <a:extLst>
               <a:ext uri="smNativeData">
-                <pr:smNativeData xmlns:pr="smNativeData" val="SMDATA_13_BbpsXRMAAAAlAAAAEgAAAE8BAAAAkAAAAEgAAACQAAAASAAAAAAAAAAAAAAAAAAAAAEAAABQAAAAAAAAAAAA4D8AAAAAAADgPwAAAAAAAOA/AAAAAAAA4D8AAAAAAADgPwAAAAAAAOA/AAAAAAAA4D8AAAAAAADgPwAAAAAAAOA/AAAAAAAA4D8CAAAAjAAAAAAAAAAAAAAAu+DjDP///wgAAAAAAAAAAAAAAAAAAAAAAAAAAAAAAAAAAAAAZAAAAAEAAABAAAAAAAAAAAAAAAAAAAAAAAAAAAAAAAAAAAAAAAAAAAAAAAAAAAAAAAAAAAAAAAAAAAAAAAAAAAAAAAAAAAAAAAAAAAAAAAAAAAAAAAAAAAAAAAAAAAAAFAAAADwAAAAAAAAAAAAAAAAAAAkUAAAAAQAAABQAAAAUAAAAFAAAAAEAAAAAAAAAZAAAAGQAAAAAAAAAZAAAAGQAAAAVAAAAYAAAAAAAAAAAAAAADwAAACADAAAAAAAAAAAAAAEAAACgMgAAVgcAAKr4//8BAAAAf39/AAEAAABkAAAAAAAAABQAAABAHwAAAAAAACYAAAAAAAAAwOD//wAAAAAmAAAAZAAAABYAAABMAAAAAAAAAAAAAAAEAAAAAAAAAAEAAACAgIAKAAAAACgAAAAoAAAAZAAAAGQAAAAAAAAAzMzMAAAAAABQAAAAUAAAAGQAAABkAAAAAAAAABcAAAAUAAAAAAAAANwIAAD/fwAA/38AAAAAAAAJAAAABAAAAAAAAAAMAAAAEAAAAAAAAAAAAAAAAAAAAAAAAAAeAAAAaAAAAAAAAAAAAAAAAAAAAAAAAAAAAAAAECcAABAnAAAAAAAAAAAAAAAAAAAAAAAAAAAAAAAAAAAAAAAAAAAAABQAAAAAAAAAwMD/AAAAAABkAAAAMgAAAAAAAABkAAAAAAAAAH9/fwAKAAAAHwAAAFQAAAC74OMF////AQAAAAAAAAAAAAAAAAAAAAAAAAAAAAAAAAAAAAAAAAAAAAAAAn9/fwCAgIADzMzMAMDA/wB/f38AAAAAAAAAAAAAAAAAAAAAAAAAAAAhAAAAGAAAABQAAADHEAAAMyIAAKMZAABzJAAAECAAACYAAAAIAAAA//////////8="/>
+                <pr:smNativeData xmlns:pr="smNativeData" val="SMDATA_13_IrKAXRMAAAAlAAAAEgAAAE8BAAAAkAAAAEgAAACQAAAASAAAAAAAAAAAAAAAAAAAAAEAAABQAAAAAAAAAAAA4D8AAAAAAADgPwAAAAAAAOA/AAAAAAAA4D8AAAAAAADgPwAAAAAAAOA/AAAAAAAA4D8AAAAAAADgPwAAAAAAAOA/AAAAAAAA4D8CAAAAjAAAAAAAAAAAAAAAu+DjDP///wgAAAAAAAAAAAAAAAAAAAAAAAAAAAAAAAAAAAAAZAAAAAEAAABAAAAAAAAAAAAAAAAAAAAAAAAAAAAAAAAAAAAAAAAAAAAAAAAAAAAAAAAAAAAAAAAAAAAAAAAAAAAAAAAAAAAAAAAAAAAAAAAAAAAAAAAAAAAAAAAAAAAAFAAAADwAAAAAAAAAAAAAAAAAAAkUAAAAAQAAABQAAAAUAAAAFAAAAAEAAAAAAAAAZAAAAGQAAAAAAAAAZAAAAGQAAAAVAAAAYAAAAAAAAAAAAAAADwAAACADAAAAAAAAAAAAAAEAAACgMgAAVgcAAKr4//8BAAAAf39/AAEAAABkAAAAAAAAABQAAABAHwAAAAAAACYAAAAAAAAAwOD//wAAAAAmAAAAZAAAABYAAABMAAAAAAAAAAAAAAAEAAAAAAAAAAEAAACAgIAKAAAAACgAAAAoAAAAZAAAAGQAAAAAAAAAzMzMAAAAAABQAAAAUAAAAGQAAABkAAAAAAAAABcAAAAUAAAAAAAAANwIAAD/fwAA/38AAAAAAAAJAAAABAAAAAAAAAAMAAAAEAAAAAAAAAAAAAAAAAAAAAAAAAAeAAAAaAAAAAAAAAAAAAAAAAAAAAAAAAAAAAAAECcAABAnAAAAAAAAAAAAAAAAAAAAAAAAAAAAAAAAAAAAAAAAAAAAABQAAAAAAAAAwMD/AAAAAABkAAAAMgAAAAAAAABkAAAAAAAAAH9/fwAKAAAAHwAAAFQAAAC74OMF////AQAAAAAAAAAAAAAAAAAAAAAAAAAAAAAAAAAAAAAAAAAAAAAAAn9/fwCAgIADzMzMAMDA/wB/f38AAAAAAAAAAAAAAAAAAAAAAAAAAAAhAAAAGAAAABQAAADHEAAAMyIAAKMZAABzJAAAECAAACYAAAAIAAAA//////////8="/>
               </a:ext>
             </a:extLst>
           </p:cNvSpPr>
@@ -12627,7 +12641,7 @@
           <p:cNvSpPr>
             <a:extLst>
               <a:ext uri="smNativeData">
-                <pr:smNativeData xmlns:pr="smNativeData" val="SMDATA_13_BbpsXRMAAAAlAAAAZAAAAA8BAAAAkAAAAEgAAACQAAAASAAAAAAAAAAAAAAAAAAAAAEAAABQAAAAAAAAAAAA4D8AAAAAAADgPwAAAAAAAOA/AAAAAAAA4D8AAAAAAADgPwAAAAAAAOA/AAAAAAAA4D8AAAAAAADgPwAAAAAAAOA/AAAAAAAA4D8CAAAAjAAAAAEAAAAAAAAASdZJAP///wgAAAAAAAAAAAAAAAAAAAAAAAAAAAAAAAAAAAAAZAAAAAEAAABAAAAAAAAAAAAAAAAAAAAAAAAAAAAAAAAAAAAAAAAAAAAAAAAAAAAAAAAAAAAAAAAAAAAAAAAAAAAAAAAAAAAAAAAAAAAAAAAAAAAAAAAAAAAAAAAAAAAAFAAAADwAAAABAAAAAAAAABx9HAAoAAAAAQAAAAIAAAAAAAAAAAAAAAAAAAAAAAAAZAAAAGQAAAAAAAAAZAAAAGQAAAAVAAAAYAAAAAAAAAAAAAAADwAAACADAAAAAAAAAAAAAAEAAACgMgAAAAAAAAAAAAABAAAAf39/AAEAAABkAAAAAAAAABQAAABAHwAAAAAAACYAAAAAAAAAwOD//wAAAAAmAAAAZAAAABYAAABMAAAAAAAAAAAAAAAEAAAAAAAAAAEAAACAgIAKAAAAACgAAAAoAAAAZAAAAGQAAAAAAAAAzMzMAAAAAABQAAAAUAAAAGQAAABkAAAAAAAAABcAAAAUAAAAAAAAAAAAAAD/fwAA/38AAAAAAAAJAAAABAAAAAAAAAAMAAAAEAAAAAAAAAAAAAAAAAAAAAAAAAAeAAAAaAAAAAAAAAAAAAAAAAAAAAAAAAAAAAAAECcAABAnAAAAAAAAAAAAAAAAAAAAAAAAAAAAAAAAAAAAAAAAAAAAABQAAAAAAAAAwMD/AAAAAABkAAAAMgAAAAAAAABkAAAAAAAAAH9/fwAKAAAAHwAAAFQAAABJ1kkA////AQAAAAAAAAAAAAAAAAAAAAAAAAAAAAAAAAAAAAAAAAAAHH0cAH9/fwCAgIADzMzMAMDA/wB/f38AAAAAAAAAAAAAAAAAAAAAAAAAAAAhAAAAGAAAABQAAAB5DQAAuCQAAD0PAAB2JgAAEAAAACYAAAAIAAAA//////////8="/>
+                <pr:smNativeData xmlns:pr="smNativeData" val="SMDATA_13_IrKAXRMAAAAlAAAAZAAAAA8BAAAAkAAAAEgAAACQAAAASAAAAAAAAAAAAAAAAAAAAAEAAABQAAAAAAAAAAAA4D8AAAAAAADgPwAAAAAAAOA/AAAAAAAA4D8AAAAAAADgPwAAAAAAAOA/AAAAAAAA4D8AAAAAAADgPwAAAAAAAOA/AAAAAAAA4D8CAAAAjAAAAAEAAAAAAAAASdZJAP///wgAAAAAAAAAAAAAAAAAAAAAAAAAAAAAAAAAAAAAZAAAAAEAAABAAAAAAAAAAAAAAAAAAAAAAAAAAAAAAAAAAAAAAAAAAAAAAAAAAAAAAAAAAAAAAAAAAAAAAAAAAAAAAAAAAAAAAAAAAAAAAAAAAAAAAAAAAAAAAAAAAAAAFAAAADwAAAABAAAAAAAAABx9HAAoAAAAAQAAAAIAAAAAAAAAAAAAAAAAAAAAAAAAZAAAAGQAAAAAAAAAZAAAAGQAAAAVAAAAYAAAAAAAAAAAAAAADwAAACADAAAAAAAAAAAAAAEAAACgMgAAAAAAAAAAAAABAAAAf39/AAEAAABkAAAAAAAAABQAAABAHwAAAAAAACYAAAAAAAAAwOD//wAAAAAmAAAAZAAAABYAAABMAAAAAAAAAAAAAAAEAAAAAAAAAAEAAACAgIAKAAAAACgAAAAoAAAAZAAAAGQAAAAAAAAAzMzMAAAAAABQAAAAUAAAAGQAAABkAAAAAAAAABcAAAAUAAAAAAAAAAAAAAD/fwAA/38AAAAAAAAJAAAABAAAAAAAAAAMAAAAEAAAAAAAAAAAAAAAAAAAAAAAAAAeAAAAaAAAAAAAAAAAAAAAAAAAAAAAAAAAAAAAECcAABAnAAAAAAAAAAAAAAAAAAAAAAAAAAAAAAAAAAAAAAAAAAAAABQAAAAAAAAAwMD/AAAAAABkAAAAMgAAAAAAAABkAAAAAAAAAH9/fwAKAAAAHwAAAFQAAABJ1kkA////AQAAAAAAAAAAAAAAAAAAAAAAAAAAAAAAAAAAAAAAAAAAHH0cAH9/fwCAgIADzMzMAMDA/wB/f38AAAAAAAAAAAAAAAAAAAAAAAAAAAAhAAAAGAAAABQAAAB5DQAAuCQAAD0PAAB2JgAAEAAAACYAAAAIAAAA//////////8="/>
               </a:ext>
             </a:extLst>
           </p:cNvSpPr>
@@ -12661,7 +12675,7 @@
           <p:cNvSpPr>
             <a:extLst>
               <a:ext uri="smNativeData">
-                <pr:smNativeData xmlns:pr="smNativeData" val="SMDATA_13_BbpsXRMAAAAlAAAAyAAAAA8BAAAAkAAAAEgAAACQAAAASAAAAAAAAAAAAAAAAAAAAAEAAABQAAAAAIIphXg83z8IPYQeQg/RPwAAAAAAAOA/AAAAAAAA4D8AAAAAAADgPwAAAAAAAOA/AAAAAAAA4D8AAAAAAADgPwAAAAAAAOA/AAAAAAAA4D8CAAAAjAAAAAEAAAAAAAAAHH0cAP///wgAAAAAAAAAAAAAAAAAAAAAAAAAAAAAAAAAAAAAZAAAAAEAAABAAAAAAAAAAAAAAAAAAAAAAAAAAAAAAAAAAAAAAAAAAAAAAAAAAAAAAAAAAAAAAAAAAAAAAAAAAAAAAAAAAAAAAAAAAAAAAAAAAAAAAAAAAAAAAAAAAAAAFAAAADwAAAAAAAAAAAAAAAAAAAkAAAAAAQAAAAAAAAAAAAAAAAAAAAAAAAAAAAAAZAAAAGQAAAAAAAAAZAAAAGQAAAAVAAAAYAAAAAAAAAAAAAAADwAAACADAAAAAAAAAAAAAAEAAACgMgAAAAAAAAAAAAABAAAAf39/AAEAAABkAAAAAAAAABQAAABAHwAAAAAAACYAAAAAAAAAwOD//wAAAAAmAAAAZAAAABYAAABMAAAAAAAAAAAAAAAEAAAAAAAAAAEAAACAgIAKAAAAACgAAAAoAAAAZAAAAGQAAAAAAAAAzMzMAAAAAABQAAAAUAAAAGQAAABkAAAAAAAAABcAAAAUAAAAAAAAAAAAAAD/fwAA/38AAAAAAAAJAAAABAAAAAAAAAAMAAAAEAAAAAAAAAAAAAAAAAAAAAAAAAAeAAAAaAAAAAAAAAAAAAAAAAAAAAAAAAAAAAAAECcAABAnAAAAAAAAAAAAAAAAAAAAAAAAAAAAAAAAAAAAAAAAAAAAABQAAAAAAAAAwMD/AAAAAABkAAAAMgAAAAAAAABkAAAAAAAAAH9/fwAKAAAAHwAAAFQAAAAcfRwA////AQAAAAAAAAAAAAAAAAAAAAAAAAAAAAAAAAAAAAAAAAAAAAAAAn9/fwCAgIADzMzMAMDA/wB/f38AAAAAAAAAAAAAAAAAAAAAAAAAAAAhAAAAGAAAABQAAACnDgAAFiUAANwQAABGJgAAEAAAACYAAAAIAAAA//////////8="/>
+                <pr:smNativeData xmlns:pr="smNativeData" val="SMDATA_13_IrKAXRMAAAAlAAAAyAAAAA8BAAAAkAAAAEgAAACQAAAASAAAAAAAAAAAAAAAAAAAAAEAAABQAAAAAIIphXg83z8IPYQeQg/RPwAAAAAAAOA/AAAAAAAA4D8AAAAAAADgPwAAAAAAAOA/AAAAAAAA4D8AAAAAAADgPwAAAAAAAOA/AAAAAAAA4D8CAAAAjAAAAAEAAAAAAAAAHH0cAP///wgAAAAAAAAAAAAAAAAAAAAAAAAAAAAAAAAAAAAAZAAAAAEAAABAAAAAAAAAAAAAAAAAAAAAAAAAAAAAAAAAAAAAAAAAAAAAAAAAAAAAAAAAAAAAAAAAAAAAAAAAAAAAAAAAAAAAAAAAAAAAAAAAAAAAAAAAAAAAAAAAAAAAFAAAADwAAAAAAAAAAAAAAAAAAAkAAAAAAQAAAAAAAAAAAAAAAAAAAAAAAAAAAAAAZAAAAGQAAAAAAAAAZAAAAGQAAAAVAAAAYAAAAAAAAAAAAAAADwAAACADAAAAAAAAAAAAAAEAAACgMgAAAAAAAAAAAAABAAAAf39/AAEAAABkAAAAAAAAABQAAABAHwAAAAAAACYAAAAAAAAAwOD//wAAAAAmAAAAZAAAABYAAABMAAAAAAAAAAAAAAAEAAAAAAAAAAEAAACAgIAKAAAAACgAAAAoAAAAZAAAAGQAAAAAAAAAzMzMAAAAAABQAAAAUAAAAGQAAABkAAAAAAAAABcAAAAUAAAAAAAAAAAAAAD/fwAA/38AAAAAAAAJAAAABAAAAAAAAAAMAAAAEAAAAAAAAAAAAAAAAAAAAAAAAAAeAAAAaAAAAAAAAAAAAAAAAAAAAAAAAAAAAAAAECcAABAnAAAAAAAAAAAAAAAAAAAAAAAAAAAAAAAAAAAAAAAAAAAAABQAAAAAAAAAwMD/AAAAAABkAAAAMgAAAAAAAABkAAAAAAAAAH9/fwAKAAAAHwAAAFQAAAAcfRwA////AQAAAAAAAAAAAAAAAAAAAAAAAAAAAAAAAAAAAAAAAAAAAAAAAn9/fwCAgIADzMzMAMDA/wB/f38AAAAAAAAAAAAAAAAAAAAAAAAAAAAhAAAAGAAAABQAAACnDgAAFiUAANwQAABGJgAAEAAAACYAAAAIAAAA//////////8="/>
               </a:ext>
             </a:extLst>
           </p:cNvSpPr>
@@ -12693,7 +12707,7 @@
           <p:cNvSpPr txBox="1">
             <a:extLst>
               <a:ext uri="smNativeData">
-                <pr:smNativeData xmlns:pr="smNativeData" val="SMDATA_13_BbpsXRMAAAAlAAAAEgAAAE8BAAAAkAAAAEgAAACQAAAASAAAAAAAAAAAAAAAAAAAAAEAAABQAAAAAAAAAAAA4D8AAAAAAADgPwAAAAAAAOA/AAAAAAAA4D8AAAAAAADgPwAAAAAAAOA/AAAAAAAA4D8AAAAAAADgPwAAAAAAAOA/AAAAAAAA4D8CAAAAjAAAAAAAAAAAAAAAu+DjDP///wgAAAAAAAAAAAAAAAAAAAAAAAAAAAAAAAAAAAAAZAAAAAEAAABAAAAAAAAAAAAAAAAAAAAAAAAAAAAAAAAAAAAAAAAAAAAAAAAAAAAAAAAAAAAAAAAAAAAAAAAAAAAAAAAAAAAAAAAAAAAAAAAAAAAAAAAAAAAAAAAAAAAAFAAAADwAAAAAAAAAAAAAAAAAAAkUAAAAAQAAABQAAAAUAAAAFAAAAAEAAAAAAAAAZAAAAGQAAAAAAAAAZAAAAGQAAAAVAAAAYAAAAAAAAAAAAAAADwAAACADAAAAAAAAAAAAAAEAAACgMgAAVgcAAKr4//8BAAAAf39/AAEAAABkAAAAAAAAABQAAABAHwAAAAAAACYAAAAAAAAAwOD//wAAAAAmAAAAZAAAABYAAABMAAAAAAAAAAAAAAAEAAAAAAAAAAEAAACAgIAKAAAAACgAAAAoAAAAZAAAAGQAAAAAAAAAzMzMAAAAAABQAAAAUAAAAGQAAABkAAAAAAAAABcAAAAUAAAAAAAAANwIAAD/fwAA/38AAAAAAAAJAAAABAAAAAAAAAAMAAAAEAAAAAAAAAAAAAAAAAAAAAAAAAAeAAAAaAAAAAAAAAAAAAAAAAAAAAAAAAAAAAAAECcAABAnAAAAAAAAAAAAAAAAAAAAAAAAAAAAAAAAAAAAAAAAAAAAABQAAAAAAAAAwMD/AAAAAABkAAAAMgAAAAAAAABkAAAAAAAAAH9/fwAKAAAAHwAAAFQAAAC74OMF////AQAAAAAAAAAAAAAAAAAAAAAAAAAAAAAAAAAAAAAAAAAAAAAAAn9/fwCAgIADzMzMAMDA/wB/f38AAAAAAAAAAAAAAAAAAAAAAAAAAAAhAAAAGAAAABQAAADHEAAAiyQAAKMZAADLJgAAECAAACYAAAAIAAAA//////////8="/>
+                <pr:smNativeData xmlns:pr="smNativeData" val="SMDATA_13_IrKAXRMAAAAlAAAAEgAAAE8BAAAAkAAAAEgAAACQAAAASAAAAAAAAAAAAAAAAAAAAAEAAABQAAAAAAAAAAAA4D8AAAAAAADgPwAAAAAAAOA/AAAAAAAA4D8AAAAAAADgPwAAAAAAAOA/AAAAAAAA4D8AAAAAAADgPwAAAAAAAOA/AAAAAAAA4D8CAAAAjAAAAAAAAAAAAAAAu+DjDP///wgAAAAAAAAAAAAAAAAAAAAAAAAAAAAAAAAAAAAAZAAAAAEAAABAAAAAAAAAAAAAAAAAAAAAAAAAAAAAAAAAAAAAAAAAAAAAAAAAAAAAAAAAAAAAAAAAAAAAAAAAAAAAAAAAAAAAAAAAAAAAAAAAAAAAAAAAAAAAAAAAAAAAFAAAADwAAAAAAAAAAAAAAAAAAAkUAAAAAQAAABQAAAAUAAAAFAAAAAEAAAAAAAAAZAAAAGQAAAAAAAAAZAAAAGQAAAAVAAAAYAAAAAAAAAAAAAAADwAAACADAAAAAAAAAAAAAAEAAACgMgAAVgcAAKr4//8BAAAAf39/AAEAAABkAAAAAAAAABQAAABAHwAAAAAAACYAAAAAAAAAwOD//wAAAAAmAAAAZAAAABYAAABMAAAAAAAAAAAAAAAEAAAAAAAAAAEAAACAgIAKAAAAACgAAAAoAAAAZAAAAGQAAAAAAAAAzMzMAAAAAABQAAAAUAAAAGQAAABkAAAAAAAAABcAAAAUAAAAAAAAANwIAAD/fwAA/38AAAAAAAAJAAAABAAAAAAAAAAMAAAAEAAAAAAAAAAAAAAAAAAAAAAAAAAeAAAAaAAAAAAAAAAAAAAAAAAAAAAAAAAAAAAAECcAABAnAAAAAAAAAAAAAAAAAAAAAAAAAAAAAAAAAAAAAAAAAAAAABQAAAAAAAAAwMD/AAAAAABkAAAAMgAAAAAAAABkAAAAAAAAAH9/fwAKAAAAHwAAAFQAAAC74OMF////AQAAAAAAAAAAAAAAAAAAAAAAAAAAAAAAAAAAAAAAAAAAAAAAAn9/fwCAgIADzMzMAMDA/wB/f38AAAAAAAAAAAAAAAAAAAAAAAAAAAAhAAAAGAAAABQAAADHEAAAiyQAAKMZAADLJgAAECAAACYAAAAIAAAA//////////8="/>
               </a:ext>
             </a:extLst>
           </p:cNvSpPr>
@@ -12739,7 +12753,7 @@
           <p:cNvSpPr>
             <a:extLst>
               <a:ext uri="smNativeData">
-                <pr:smNativeData xmlns:pr="smNativeData" val="SMDATA_13_BbpsXRMAAAAlAAAAZAAAAA8BAAAAkAAAAEgAAACQAAAASAAAAAAAAAAAAAAAAAAAAAEAAABQAAAAAAAAAAAA4D8AAAAAAADgPwAAAAAAAOA/AAAAAAAA4D8AAAAAAADgPwAAAAAAAOA/AAAAAAAA4D8AAAAAAADgPwAAAAAAAOA/AAAAAAAA4D8CAAAAjAAAAAEAAAAAAAAAhlHdAP///wgAAAAAAAAAAAAAAAAAAAAAAAAAAAAAAAAAAAAAZAAAAAEAAABAAAAAAAAAAAAAAAAAAAAAAAAAAAAAAAAAAAAAAAAAAAAAAAAAAAAAAAAAAAAAAAAAAAAAAAAAAAAAAAAAAAAAAAAAAAAAAAAAAAAAAAAAAAAAAAAAAAAAFAAAADwAAAABAAAAAAAAADYKngAoAAAAAQAAAAIAAAAAAAAAAAAAAAAAAAAAAAAAZAAAAGQAAAAAAAAAZAAAAGQAAAAVAAAAYAAAAAAAAAAAAAAADwAAACADAAAAAAAAAAAAAAEAAACgMgAAAAAAAAAAAAABAAAAf39/AAEAAABkAAAAAAAAABQAAABAHwAAAAAAACYAAAAAAAAAwOD//wAAAAAmAAAAZAAAABYAAABMAAAAAAAAAAAAAAAEAAAAAAAAAAEAAACAgIAKAAAAACgAAAAoAAAAZAAAAGQAAAAAAAAAzMzMAAAAAABQAAAAUAAAAGQAAABkAAAAAAAAABcAAAAUAAAAAAAAAAAAAAD/fwAA/38AAAAAAAAJAAAABAAAAAAAAAAMAAAAEAAAAAAAAAAAAAAAAAAAAAAAAAAeAAAAaAAAAAAAAAAAAAAAAAAAAAAAAAAAAAAAECcAABAnAAAAAAAAAAAAAAAAAAAAAAAAAAAAAAAAAAAAAAAAAAAAABQAAAAAAAAAwMD/AAAAAABkAAAAMgAAAAAAAABkAAAAAAAAAH9/fwAKAAAAHwAAAFQAAACGUd0A////AQAAAAAAAAAAAAAAAAAAAAAAAAAAAAAAAAAAAAAAAAAANgqeAH9/fwCAgIADzMzMAMDA/wB/f38AAAAAAAAAAAAAAAAAAAAAAAAAAAAhAAAAGAAAABQAAAC5IAAAOhQAAH0iAAD4FQAAEAAAACYAAAAIAAAA//////////8="/>
+                <pr:smNativeData xmlns:pr="smNativeData" val="SMDATA_13_IrKAXRMAAAAlAAAAZAAAAA8BAAAAkAAAAEgAAACQAAAASAAAAAAAAAAAAAAAAAAAAAEAAABQAAAAAAAAAAAA4D8AAAAAAADgPwAAAAAAAOA/AAAAAAAA4D8AAAAAAADgPwAAAAAAAOA/AAAAAAAA4D8AAAAAAADgPwAAAAAAAOA/AAAAAAAA4D8CAAAAjAAAAAEAAAAAAAAAhlHdAP///wgAAAAAAAAAAAAAAAAAAAAAAAAAAAAAAAAAAAAAZAAAAAEAAABAAAAAAAAAAAAAAAAAAAAAAAAAAAAAAAAAAAAAAAAAAAAAAAAAAAAAAAAAAAAAAAAAAAAAAAAAAAAAAAAAAAAAAAAAAAAAAAAAAAAAAAAAAAAAAAAAAAAAFAAAADwAAAABAAAAAAAAADYKngAoAAAAAQAAAAIAAAAAAAAAAAAAAAAAAAAAAAAAZAAAAGQAAAAAAAAAZAAAAGQAAAAVAAAAYAAAAAAAAAAAAAAADwAAACADAAAAAAAAAAAAAAEAAACgMgAAAAAAAAAAAAABAAAAf39/AAEAAABkAAAAAAAAABQAAABAHwAAAAAAACYAAAAAAAAAwOD//wAAAAAmAAAAZAAAABYAAABMAAAAAAAAAAAAAAAEAAAAAAAAAAEAAACAgIAKAAAAACgAAAAoAAAAZAAAAGQAAAAAAAAAzMzMAAAAAABQAAAAUAAAAGQAAABkAAAAAAAAABcAAAAUAAAAAAAAAAAAAAD/fwAA/38AAAAAAAAJAAAABAAAAAAAAAAMAAAAEAAAAAAAAAAAAAAAAAAAAAAAAAAeAAAAaAAAAAAAAAAAAAAAAAAAAAAAAAAAAAAAECcAABAnAAAAAAAAAAAAAAAAAAAAAAAAAAAAAAAAAAAAAAAAAAAAABQAAAAAAAAAwMD/AAAAAABkAAAAMgAAAAAAAABkAAAAAAAAAH9/fwAKAAAAHwAAAFQAAACGUd0A////AQAAAAAAAAAAAAAAAAAAAAAAAAAAAAAAAAAAAAAAAAAANgqeAH9/fwCAgIADzMzMAMDA/wB/f38AAAAAAAAAAAAAAAAAAAAAAAAAAAAhAAAAGAAAABQAAAC5IAAAOhQAAH0iAAD4FQAAEAAAACYAAAAIAAAA//////////8="/>
               </a:ext>
             </a:extLst>
           </p:cNvSpPr>
@@ -12773,7 +12787,7 @@
           <p:cNvSpPr>
             <a:extLst>
               <a:ext uri="smNativeData">
-                <pr:smNativeData xmlns:pr="smNativeData" val="SMDATA_13_BbpsXRMAAAAlAAAAyAAAAA8BAAAAkAAAAEgAAACQAAAASAAAAAAAAAAAAAAAAAAAAAEAAABQAAAAAIIphXg83z8IPYQeQg/RPwAAAAAAAOA/AAAAAAAA4D8AAAAAAADgPwAAAAAAAOA/AAAAAAAA4D8AAAAAAADgPwAAAAAAAOA/AAAAAAAA4D8CAAAAjAAAAAEAAAAAAAAANgqeAP///wgAAAAAAAAAAAAAAAAAAAAAAAAAAAAAAAAAAAAAZAAAAAEAAABAAAAAAAAAAAAAAAAAAAAAAAAAAAAAAAAAAAAAAAAAAAAAAAAAAAAAAAAAAAAAAAAAAAAAAAAAAAAAAAAAAAAAAAAAAAAAAAAAAAAAAAAAAAAAAAAAAAAAFAAAADwAAAAAAAAAAAAAAAAAAAkAAAAAAQAAAAAAAAAAAAAAAAAAAAAAAAAAAAAAZAAAAGQAAAAAAAAAZAAAAGQAAAAVAAAAYAAAAAAAAAAAAAAADwAAACADAAAAAAAAAAAAAAEAAACgMgAAAAAAAAAAAAABAAAAf39/AAEAAABkAAAAAAAAABQAAABAHwAAAAAAACYAAAAAAAAAwOD//wAAAAAmAAAAZAAAABYAAABMAAAAAAAAAAAAAAAEAAAAAAAAAAEAAACAgIAKAAAAACgAAAAoAAAAZAAAAGQAAAAAAAAAzMzMAAAAAABQAAAAUAAAAGQAAABkAAAAAAAAABcAAAAUAAAAAAAAAAAAAAD/fwAA/38AAAAAAAAJAAAABAAAAAAAAAAMAAAAEAAAAAAAAAAAAAAAAAAAAAAAAAAeAAAAaAAAAAAAAAAAAAAAAAAAAAAAAAAAAAAAECcAABAnAAAAAAAAAAAAAAAAAAAAAAAAAAAAAAAAAAAAAAAAAAAAABQAAAAAAAAAwMD/AAAAAABkAAAAMgAAAAAAAABkAAAAAAAAAH9/fwAKAAAAHwAAAFQAAAA2Cp4A////AQAAAAAAAAAAAAAAAAAAAAAAAAAAAAAAAAAAAAAAAAAAAAAAAn9/fwCAgIADzMzMAMDA/wB/f38AAAAAAAAAAAAAAAAAAAAAAAAAAAAhAAAAGAAAABQAAADnIQAAmBQAABwkAADIFQAAEAAAACYAAAAIAAAA//////////8="/>
+                <pr:smNativeData xmlns:pr="smNativeData" val="SMDATA_13_IrKAXRMAAAAlAAAAyAAAAA8BAAAAkAAAAEgAAACQAAAASAAAAAAAAAAAAAAAAAAAAAEAAABQAAAAAIIphXg83z8IPYQeQg/RPwAAAAAAAOA/AAAAAAAA4D8AAAAAAADgPwAAAAAAAOA/AAAAAAAA4D8AAAAAAADgPwAAAAAAAOA/AAAAAAAA4D8CAAAAjAAAAAEAAAAAAAAANgqeAP///wgAAAAAAAAAAAAAAAAAAAAAAAAAAAAAAAAAAAAAZAAAAAEAAABAAAAAAAAAAAAAAAAAAAAAAAAAAAAAAAAAAAAAAAAAAAAAAAAAAAAAAAAAAAAAAAAAAAAAAAAAAAAAAAAAAAAAAAAAAAAAAAAAAAAAAAAAAAAAAAAAAAAAFAAAADwAAAAAAAAAAAAAAAAAAAkAAAAAAQAAAAAAAAAAAAAAAAAAAAAAAAAAAAAAZAAAAGQAAAAAAAAAZAAAAGQAAAAVAAAAYAAAAAAAAAAAAAAADwAAACADAAAAAAAAAAAAAAEAAACgMgAAAAAAAAAAAAABAAAAf39/AAEAAABkAAAAAAAAABQAAABAHwAAAAAAACYAAAAAAAAAwOD//wAAAAAmAAAAZAAAABYAAABMAAAAAAAAAAAAAAAEAAAAAAAAAAEAAACAgIAKAAAAACgAAAAoAAAAZAAAAGQAAAAAAAAAzMzMAAAAAABQAAAAUAAAAGQAAABkAAAAAAAAABcAAAAUAAAAAAAAAAAAAAD/fwAA/38AAAAAAAAJAAAABAAAAAAAAAAMAAAAEAAAAAAAAAAAAAAAAAAAAAAAAAAeAAAAaAAAAAAAAAAAAAAAAAAAAAAAAAAAAAAAECcAABAnAAAAAAAAAAAAAAAAAAAAAAAAAAAAAAAAAAAAAAAAAAAAABQAAAAAAAAAwMD/AAAAAABkAAAAMgAAAAAAAABkAAAAAAAAAH9/fwAKAAAAHwAAAFQAAAA2Cp4A////AQAAAAAAAAAAAAAAAAAAAAAAAAAAAAAAAAAAAAAAAAAAAAAAAn9/fwCAgIADzMzMAMDA/wB/f38AAAAAAAAAAAAAAAAAAAAAAAAAAAAhAAAAGAAAABQAAADnIQAAmBQAABwkAADIFQAAEAAAACYAAAAIAAAA//////////8="/>
               </a:ext>
             </a:extLst>
           </p:cNvSpPr>
@@ -12805,7 +12819,7 @@
           <p:cNvSpPr txBox="1">
             <a:extLst>
               <a:ext uri="smNativeData">
-                <pr:smNativeData xmlns:pr="smNativeData" val="SMDATA_13_BbpsXRMAAAAlAAAAEgAAAE8BAAAAkAAAAEgAAACQAAAASAAAAAAAAAAAAAAAAAAAAAEAAABQAAAAAAAAAAAA4D8AAAAAAADgPwAAAAAAAOA/AAAAAAAA4D8AAAAAAADgPwAAAAAAAOA/AAAAAAAA4D8AAAAAAADgPwAAAAAAAOA/AAAAAAAA4D8CAAAAjAAAAAAAAAAAAAAAu+DjDP///wgAAAAAAAAAAAAAAAAAAAAAAAAAAAAAAAAAAAAAZAAAAAEAAABAAAAAAAAAAAAAAAAAAAAAAAAAAAAAAAAAAAAAAAAAAAAAAAAAAAAAAAAAAAAAAAAAAAAAAAAAAAAAAAAAAAAAAAAAAAAAAAAAAAAAAAAAAAAAAAAAAAAAFAAAADwAAAAAAAAAAAAAAAAAAAkUAAAAAQAAABQAAAAUAAAAFAAAAAEAAAAAAAAAZAAAAGQAAAAAAAAAZAAAAGQAAAAVAAAAYAAAAAAAAAAAAAAADwAAACADAAAAAAAAAAAAAAEAAACgMgAAVgcAAKr4//8BAAAAf39/AAEAAABkAAAAAAAAABQAAABAHwAAAAAAACYAAAAAAAAAwOD//wAAAAAmAAAAZAAAABYAAABMAAAAAAAAAAAAAAAEAAAAAAAAAAEAAACAgIAKAAAAACgAAAAoAAAAZAAAAGQAAAAAAAAAzMzMAAAAAABQAAAAUAAAAGQAAABkAAAAAAAAABcAAAAUAAAAAAAAANwIAAD/fwAA/38AAAAAAAAJAAAABAAAAAAAAAAMAAAAEAAAAAAAAAAAAAAAAAAAAAAAAAAeAAAAaAAAAAAAAAAAAAAAAAAAAAAAAAAAAAAAECcAABAnAAAAAAAAAAAAAAAAAAAAAAAAAAAAAAAAAAAAAAAAAAAAABQAAAAAAAAAwMD/AAAAAABkAAAAMgAAAAAAAABkAAAAAAAAAH9/fwAKAAAAHwAAAFQAAAC74OMF////AQAAAAAAAAAAAAAAAAAAAAAAAAAAAAAAAAAAAAAAAAAAAAAAAn9/fwCAgIADzMzMAMDA/wB/f38AAAAAAAAAAAAAAAAAAAAAAAAAAAAhAAAAGAAAABQAAAAHJAAADRQAAOMsAABNFgAAECAAACYAAAAIAAAA//////////8="/>
+                <pr:smNativeData xmlns:pr="smNativeData" val="SMDATA_13_IrKAXRMAAAAlAAAAEgAAAE8BAAAAkAAAAEgAAACQAAAASAAAAAAAAAAAAAAAAAAAAAEAAABQAAAAAAAAAAAA4D8AAAAAAADgPwAAAAAAAOA/AAAAAAAA4D8AAAAAAADgPwAAAAAAAOA/AAAAAAAA4D8AAAAAAADgPwAAAAAAAOA/AAAAAAAA4D8CAAAAjAAAAAAAAAAAAAAAu+DjDP///wgAAAAAAAAAAAAAAAAAAAAAAAAAAAAAAAAAAAAAZAAAAAEAAABAAAAAAAAAAAAAAAAAAAAAAAAAAAAAAAAAAAAAAAAAAAAAAAAAAAAAAAAAAAAAAAAAAAAAAAAAAAAAAAAAAAAAAAAAAAAAAAAAAAAAAAAAAAAAAAAAAAAAFAAAADwAAAAAAAAAAAAAAAAAAAkUAAAAAQAAABQAAAAUAAAAFAAAAAEAAAAAAAAAZAAAAGQAAAAAAAAAZAAAAGQAAAAVAAAAYAAAAAAAAAAAAAAADwAAACADAAAAAAAAAAAAAAEAAACgMgAAVgcAAKr4//8BAAAAf39/AAEAAABkAAAAAAAAABQAAABAHwAAAAAAACYAAAAAAAAAwOD//wAAAAAmAAAAZAAAABYAAABMAAAAAAAAAAAAAAAEAAAAAAAAAAEAAACAgIAKAAAAACgAAAAoAAAAZAAAAGQAAAAAAAAAzMzMAAAAAABQAAAAUAAAAGQAAABkAAAAAAAAABcAAAAUAAAAAAAAANwIAAD/fwAA/38AAAAAAAAJAAAABAAAAAAAAAAMAAAAEAAAAAAAAAAAAAAAAAAAAAAAAAAeAAAAaAAAAAAAAAAAAAAAAAAAAAAAAAAAAAAAECcAABAnAAAAAAAAAAAAAAAAAAAAAAAAAAAAAAAAAAAAAAAAAAAAABQAAAAAAAAAwMD/AAAAAABkAAAAMgAAAAAAAABkAAAAAAAAAH9/fwAKAAAAHwAAAFQAAAC74OMF////AQAAAAAAAAAAAAAAAAAAAAAAAAAAAAAAAAAAAAAAAAAAAAAAAn9/fwCAgIADzMzMAMDA/wB/f38AAAAAAAAAAAAAAAAAAAAAAAAAAAAhAAAAGAAAABQAAAAHJAAADRQAAOMsAABNFgAAECAAACYAAAAIAAAA//////////8="/>
               </a:ext>
             </a:extLst>
           </p:cNvSpPr>
@@ -12851,7 +12865,7 @@
           <p:cNvSpPr>
             <a:extLst>
               <a:ext uri="smNativeData">
-                <pr:smNativeData xmlns:pr="smNativeData" val="SMDATA_13_BbpsXRMAAAAlAAAAZAAAAA8BAAAAkAAAAEgAAACQAAAASAAAAAAAAAAAAAAAAAAAAAEAAABQAAAAAAAAAAAA4D8AAAAAAADgPwAAAAAAAOA/AAAAAAAA4D8AAAAAAADgPwAAAAAAAOA/AAAAAAAA4D8AAAAAAADgPwAAAAAAAOA/AAAAAAAA4D8CAAAAjAAAAAEAAAAAAAAAhlHdAP///wgAAAAAAAAAAAAAAAAAAAAAAAAAAAAAAAAAAAAAZAAAAAEAAABAAAAAAAAAAAAAAAAAAAAAAAAAAAAAAAAAAAAAAAAAAAAAAAAAAAAAAAAAAAAAAAAAAAAAAAAAAAAAAAAAAAAAAAAAAAAAAAAAAAAAAAAAAAAAAAAAAAAAFAAAADwAAAABAAAAAAAAADYKngAoAAAAAQAAAAIAAAAAAAAAAAAAAAAAAAAAAAAAZAAAAGQAAAAAAAAAZAAAAGQAAAAVAAAAYAAAAAAAAAAAAAAADwAAACADAAAAAAAAAAAAAAEAAACgMgAAAAAAAAAAAAABAAAAf39/AAEAAABkAAAAAAAAABQAAABAHwAAAAAAACYAAAAAAAAAwOD//wAAAAAmAAAAZAAAABYAAABMAAAAAAAAAAAAAAAEAAAAAAAAAAEAAACAgIAKAAAAACgAAAAoAAAAZAAAAGQAAAAAAAAAzMzMAAAAAABQAAAAUAAAAGQAAABkAAAAAAAAABcAAAAUAAAAAAAAAAAAAAD/fwAA/38AAAAAAAAJAAAABAAAAAAAAAAMAAAAEAAAAAAAAAAAAAAAAAAAAAAAAAAeAAAAaAAAAAAAAAAAAAAAAAAAAAAAAAAAAAAAECcAABAnAAAAAAAAAAAAAAAAAAAAAAAAAAAAAAAAAAAAAAAAAAAAABQAAAAAAAAAwMD/AAAAAABkAAAAMgAAAAAAAABkAAAAAAAAAH9/fwAKAAAAHwAAAFQAAACGUd0A////AQAAAAAAAAAAAAAAAAAAAAAAAAAAAAAAAAAAAAAAAAAANgqeAH9/fwCAgIADzMzMAMDA/wB/f38AAAAAAAAAAAAAAAAAAAAAAAAAAAAhAAAAGAAAABQAAAC3IAAA6BgAAHsiAACmGgAAEAAAACYAAAAIAAAA//////////8="/>
+                <pr:smNativeData xmlns:pr="smNativeData" val="SMDATA_13_IrKAXRMAAAAlAAAAZAAAAA8BAAAAkAAAAEgAAACQAAAASAAAAAAAAAAAAAAAAAAAAAEAAABQAAAAAAAAAAAA4D8AAAAAAADgPwAAAAAAAOA/AAAAAAAA4D8AAAAAAADgPwAAAAAAAOA/AAAAAAAA4D8AAAAAAADgPwAAAAAAAOA/AAAAAAAA4D8CAAAAjAAAAAEAAAAAAAAAhlHdAP///wgAAAAAAAAAAAAAAAAAAAAAAAAAAAAAAAAAAAAAZAAAAAEAAABAAAAAAAAAAAAAAAAAAAAAAAAAAAAAAAAAAAAAAAAAAAAAAAAAAAAAAAAAAAAAAAAAAAAAAAAAAAAAAAAAAAAAAAAAAAAAAAAAAAAAAAAAAAAAAAAAAAAAFAAAADwAAAABAAAAAAAAADYKngAoAAAAAQAAAAIAAAAAAAAAAAAAAAAAAAAAAAAAZAAAAGQAAAAAAAAAZAAAAGQAAAAVAAAAYAAAAAAAAAAAAAAADwAAACADAAAAAAAAAAAAAAEAAACgMgAAAAAAAAAAAAABAAAAf39/AAEAAABkAAAAAAAAABQAAABAHwAAAAAAACYAAAAAAAAAwOD//wAAAAAmAAAAZAAAABYAAABMAAAAAAAAAAAAAAAEAAAAAAAAAAEAAACAgIAKAAAAACgAAAAoAAAAZAAAAGQAAAAAAAAAzMzMAAAAAABQAAAAUAAAAGQAAABkAAAAAAAAABcAAAAUAAAAAAAAAAAAAAD/fwAA/38AAAAAAAAJAAAABAAAAAAAAAAMAAAAEAAAAAAAAAAAAAAAAAAAAAAAAAAeAAAAaAAAAAAAAAAAAAAAAAAAAAAAAAAAAAAAECcAABAnAAAAAAAAAAAAAAAAAAAAAAAAAAAAAAAAAAAAAAAAAAAAABQAAAAAAAAAwMD/AAAAAABkAAAAMgAAAAAAAABkAAAAAAAAAH9/fwAKAAAAHwAAAFQAAACGUd0A////AQAAAAAAAAAAAAAAAAAAAAAAAAAAAAAAAAAAAAAAAAAANgqeAH9/fwCAgIADzMzMAMDA/wB/f38AAAAAAAAAAAAAAAAAAAAAAAAAAAAhAAAAGAAAABQAAAC3IAAA6BgAAHsiAACmGgAAEAAAACYAAAAIAAAA//////////8="/>
               </a:ext>
             </a:extLst>
           </p:cNvSpPr>
@@ -12885,7 +12899,7 @@
           <p:cNvSpPr>
             <a:extLst>
               <a:ext uri="smNativeData">
-                <pr:smNativeData xmlns:pr="smNativeData" val="SMDATA_13_BbpsXRMAAAAlAAAAyAAAAA8BAAAAkAAAAEgAAACQAAAASAAAAAAAAAAAAAAAAAAAAAEAAABQAAAAAIIphXg83z8IPYQeQg/RPwAAAAAAAOA/AAAAAAAA4D8AAAAAAADgPwAAAAAAAOA/AAAAAAAA4D8AAAAAAADgPwAAAAAAAOA/AAAAAAAA4D8CAAAAjAAAAAEAAAAAAAAANgqeAP///wgAAAAAAAAAAAAAAAAAAAAAAAAAAAAAAAAAAAAAZAAAAAEAAABAAAAAAAAAAAAAAAAAAAAAAAAAAAAAAAAAAAAAAAAAAAAAAAAAAAAAAAAAAAAAAAAAAAAAAAAAAAAAAAAAAAAAAAAAAAAAAAAAAAAAAAAAAAAAAAAAAAAAFAAAADwAAAAAAAAAAAAAAAAAAAkAAAAAAQAAAAAAAAAAAAAAAAAAAAAAAAAAAAAAZAAAAGQAAAAAAAAAZAAAAGQAAAAVAAAAYAAAAAAAAAAAAAAADwAAACADAAAAAAAAAAAAAAEAAACgMgAAAAAAAAAAAAABAAAAf39/AAEAAABkAAAAAAAAABQAAABAHwAAAAAAACYAAAAAAAAAwOD//wAAAAAmAAAAZAAAABYAAABMAAAAAAAAAAAAAAAEAAAAAAAAAAEAAACAgIAKAAAAACgAAAAoAAAAZAAAAGQAAAAAAAAAzMzMAAAAAABQAAAAUAAAAGQAAABkAAAAAAAAABcAAAAUAAAAAAAAAAAAAAD/fwAA/38AAAAAAAAJAAAABAAAAAAAAAAMAAAAEAAAAAAAAAAAAAAAAAAAAAAAAAAeAAAAaAAAAAAAAAAAAAAAAAAAAAAAAAAAAAAAECcAABAnAAAAAAAAAAAAAAAAAAAAAAAAAAAAAAAAAAAAAAAAAAAAABQAAAAAAAAAwMD/AAAAAABkAAAAMgAAAAAAAABkAAAAAAAAAH9/fwAKAAAAHwAAAFQAAAA2Cp4A////AQAAAAAAAAAAAAAAAAAAAAAAAAAAAAAAAAAAAAAAAAAAAAAAAn9/fwCAgIADzMzMAMDA/wB/f38AAAAAAAAAAAAAAAAAAAAAAAAAAAAhAAAAGAAAABQAAADlIQAARhkAABokAAB2GgAAEAAAACYAAAAIAAAA//////////8="/>
+                <pr:smNativeData xmlns:pr="smNativeData" val="SMDATA_13_IrKAXRMAAAAlAAAAyAAAAA8BAAAAkAAAAEgAAACQAAAASAAAAAAAAAAAAAAAAAAAAAEAAABQAAAAAIIphXg83z8IPYQeQg/RPwAAAAAAAOA/AAAAAAAA4D8AAAAAAADgPwAAAAAAAOA/AAAAAAAA4D8AAAAAAADgPwAAAAAAAOA/AAAAAAAA4D8CAAAAjAAAAAEAAAAAAAAANgqeAP///wgAAAAAAAAAAAAAAAAAAAAAAAAAAAAAAAAAAAAAZAAAAAEAAABAAAAAAAAAAAAAAAAAAAAAAAAAAAAAAAAAAAAAAAAAAAAAAAAAAAAAAAAAAAAAAAAAAAAAAAAAAAAAAAAAAAAAAAAAAAAAAAAAAAAAAAAAAAAAAAAAAAAAFAAAADwAAAAAAAAAAAAAAAAAAAkAAAAAAQAAAAAAAAAAAAAAAAAAAAAAAAAAAAAAZAAAAGQAAAAAAAAAZAAAAGQAAAAVAAAAYAAAAAAAAAAAAAAADwAAACADAAAAAAAAAAAAAAEAAACgMgAAAAAAAAAAAAABAAAAf39/AAEAAABkAAAAAAAAABQAAABAHwAAAAAAACYAAAAAAAAAwOD//wAAAAAmAAAAZAAAABYAAABMAAAAAAAAAAAAAAAEAAAAAAAAAAEAAACAgIAKAAAAACgAAAAoAAAAZAAAAGQAAAAAAAAAzMzMAAAAAABQAAAAUAAAAGQAAABkAAAAAAAAABcAAAAUAAAAAAAAAAAAAAD/fwAA/38AAAAAAAAJAAAABAAAAAAAAAAMAAAAEAAAAAAAAAAAAAAAAAAAAAAAAAAeAAAAaAAAAAAAAAAAAAAAAAAAAAAAAAAAAAAAECcAABAnAAAAAAAAAAAAAAAAAAAAAAAAAAAAAAAAAAAAAAAAAAAAABQAAAAAAAAAwMD/AAAAAABkAAAAMgAAAAAAAABkAAAAAAAAAH9/fwAKAAAAHwAAAFQAAAA2Cp4A////AQAAAAAAAAAAAAAAAAAAAAAAAAAAAAAAAAAAAAAAAAAAAAAAAn9/fwCAgIADzMzMAMDA/wB/f38AAAAAAAAAAAAAAAAAAAAAAAAAAAAhAAAAGAAAABQAAADlIQAARhkAABokAAB2GgAAEAAAACYAAAAIAAAA//////////8="/>
               </a:ext>
             </a:extLst>
           </p:cNvSpPr>
@@ -12917,7 +12931,7 @@
           <p:cNvSpPr txBox="1">
             <a:extLst>
               <a:ext uri="smNativeData">
-                <pr:smNativeData xmlns:pr="smNativeData" val="SMDATA_13_BbpsXRMAAAAlAAAAEgAAAE8BAAAAkAAAAEgAAACQAAAASAAAAAAAAAAAAAAAAAAAAAEAAABQAAAAAAAAAAAA4D8AAAAAAADgPwAAAAAAAOA/AAAAAAAA4D8AAAAAAADgPwAAAAAAAOA/AAAAAAAA4D8AAAAAAADgPwAAAAAAAOA/AAAAAAAA4D8CAAAAjAAAAAAAAAAAAAAAu+DjDP///wgAAAAAAAAAAAAAAAAAAAAAAAAAAAAAAAAAAAAAZAAAAAEAAABAAAAAAAAAAAAAAAAAAAAAAAAAAAAAAAAAAAAAAAAAAAAAAAAAAAAAAAAAAAAAAAAAAAAAAAAAAAAAAAAAAAAAAAAAAAAAAAAAAAAAAAAAAAAAAAAAAAAAFAAAADwAAAAAAAAAAAAAAAAAAAkUAAAAAQAAABQAAAAUAAAAFAAAAAEAAAAAAAAAZAAAAGQAAAAAAAAAZAAAAGQAAAAVAAAAYAAAAAAAAAAAAAAADwAAACADAAAAAAAAAAAAAAEAAACgMgAAVgcAAKr4//8BAAAAf39/AAEAAABkAAAAAAAAABQAAABAHwAAAAAAACYAAAAAAAAAwOD//wAAAAAmAAAAZAAAABYAAABMAAAAAAAAAAAAAAAEAAAAAAAAAAEAAACAgIAKAAAAACgAAAAoAAAAZAAAAGQAAAAAAAAAzMzMAAAAAABQAAAAUAAAAGQAAABkAAAAAAAAABcAAAAUAAAAAAAAANwIAAD/fwAA/38AAAAAAAAJAAAABAAAAAAAAAAMAAAAEAAAAAAAAAAAAAAAAAAAAAAAAAAeAAAAaAAAAAAAAAAAAAAAAAAAAAAAAAAAAAAAECcAABAnAAAAAAAAAAAAAAAAAAAAAAAAAAAAAAAAAAAAAAAAAAAAABQAAAAAAAAAwMD/AAAAAABkAAAAMgAAAAAAAABkAAAAAAAAAH9/fwAKAAAAHwAAAFQAAAC74OMF////AQAAAAAAAAAAAAAAAAAAAAAAAAAAAAAAAAAAAAAAAAAAAAAAAn9/fwCAgIADzMzMAMDA/wB/f38AAAAAAAAAAAAAAAAAAAAAAAAAAAAhAAAAGAAAABQAAAAFJAAAuxgAAOEsAAD7GgAAECAAACYAAAAIAAAA//////////8="/>
+                <pr:smNativeData xmlns:pr="smNativeData" val="SMDATA_13_IrKAXRMAAAAlAAAAEgAAAE8BAAAAkAAAAEgAAACQAAAASAAAAAAAAAAAAAAAAAAAAAEAAABQAAAAAAAAAAAA4D8AAAAAAADgPwAAAAAAAOA/AAAAAAAA4D8AAAAAAADgPwAAAAAAAOA/AAAAAAAA4D8AAAAAAADgPwAAAAAAAOA/AAAAAAAA4D8CAAAAjAAAAAAAAAAAAAAAu+DjDP///wgAAAAAAAAAAAAAAAAAAAAAAAAAAAAAAAAAAAAAZAAAAAEAAABAAAAAAAAAAAAAAAAAAAAAAAAAAAAAAAAAAAAAAAAAAAAAAAAAAAAAAAAAAAAAAAAAAAAAAAAAAAAAAAAAAAAAAAAAAAAAAAAAAAAAAAAAAAAAAAAAAAAAFAAAADwAAAAAAAAAAAAAAAAAAAkUAAAAAQAAABQAAAAUAAAAFAAAAAEAAAAAAAAAZAAAAGQAAAAAAAAAZAAAAGQAAAAVAAAAYAAAAAAAAAAAAAAADwAAACADAAAAAAAAAAAAAAEAAACgMgAAVgcAAKr4//8BAAAAf39/AAEAAABkAAAAAAAAABQAAABAHwAAAAAAACYAAAAAAAAAwOD//wAAAAAmAAAAZAAAABYAAABMAAAAAAAAAAAAAAAEAAAAAAAAAAEAAACAgIAKAAAAACgAAAAoAAAAZAAAAGQAAAAAAAAAzMzMAAAAAABQAAAAUAAAAGQAAABkAAAAAAAAABcAAAAUAAAAAAAAANwIAAD/fwAA/38AAAAAAAAJAAAABAAAAAAAAAAMAAAAEAAAAAAAAAAAAAAAAAAAAAAAAAAeAAAAaAAAAAAAAAAAAAAAAAAAAAAAAAAAAAAAECcAABAnAAAAAAAAAAAAAAAAAAAAAAAAAAAAAAAAAAAAAAAAAAAAABQAAAAAAAAAwMD/AAAAAABkAAAAMgAAAAAAAABkAAAAAAAAAH9/fwAKAAAAHwAAAFQAAAC74OMF////AQAAAAAAAAAAAAAAAAAAAAAAAAAAAAAAAAAAAAAAAAAAAAAAAn9/fwCAgIADzMzMAMDA/wB/f38AAAAAAAAAAAAAAAAAAAAAAAAAAAAhAAAAGAAAABQAAAAFJAAAuxgAAOEsAAD7GgAAECAAACYAAAAIAAAA//////////8="/>
               </a:ext>
             </a:extLst>
           </p:cNvSpPr>
@@ -12963,7 +12977,7 @@
           <p:cNvSpPr>
             <a:extLst>
               <a:ext uri="smNativeData">
-                <pr:smNativeData xmlns:pr="smNativeData" val="SMDATA_13_BbpsXRMAAAAlAAAAZAAAAA8BAAAAkAAAAEgAAACQAAAASAAAAAAAAAAAAAAAAAAAAAEAAABQAAAAAAAAAAAA4D8AAAAAAADgPwAAAAAAAOA/AAAAAAAA4D8AAAAAAADgPwAAAAAAAOA/AAAAAAAA4D8AAAAAAADgPwAAAAAAAOA/AAAAAAAA4D8CAAAAjAAAAAEAAAAAAAAAhlHdAP///wgAAAAAAAAAAAAAAAAAAAAAAAAAAAAAAAAAAAAAZAAAAAEAAABAAAAAAAAAAAAAAAAAAAAAAAAAAAAAAAAAAAAAAAAAAAAAAAAAAAAAAAAAAAAAAAAAAAAAAAAAAAAAAAAAAAAAAAAAAAAAAAAAAAAAAAAAAAAAAAAAAAAAFAAAADwAAAABAAAAAAAAADYKngAoAAAAAQAAAAIAAAAAAAAAAAAAAAAAAAAAAAAAZAAAAGQAAAAAAAAAZAAAAGQAAAAVAAAAYAAAAAAAAAAAAAAADwAAACADAAAAAAAAAAAAAAEAAACgMgAAAAAAAAAAAAABAAAAf39/AAEAAABkAAAAAAAAABQAAABAHwAAAAAAACYAAAAAAAAAwOD//wAAAAAmAAAAZAAAABYAAABMAAAAAAAAAAAAAAAEAAAAAAAAAAEAAACAgIAKAAAAACgAAAAoAAAAZAAAAGQAAAAAAAAAzMzMAAAAAABQAAAAUAAAAGQAAABkAAAAAAAAABcAAAAUAAAAAAAAAAAAAAD/fwAA/38AAAAAAAAJAAAABAAAAAAAAAAMAAAAEAAAAAAAAAAAAAAAAAAAAAAAAAAeAAAAaAAAAAAAAAAAAAAAAAAAAAAAAAAAAAAAECcAABAnAAAAAAAAAAAAAAAAAAAAAAAAAAAAAAAAAAAAAAAAAAAAABQAAAAAAAAAwMD/AAAAAABkAAAAMgAAAAAAAABkAAAAAAAAAH9/fwAKAAAAHwAAAFQAAACGUd0A////AQAAAAAAAAAAAAAAAAAAAAAAAAAAAAAAAAAAAAAAAAAANgqeAH9/fwCAgIADzMzMAMDA/wB/f38AAAAAAAAAAAAAAAAAAAAAAAAAAAAhAAAAGAAAABQAAAC3IAAAQBsAAHsiAAD+HAAAEAAAACYAAAAIAAAA//////////8="/>
+                <pr:smNativeData xmlns:pr="smNativeData" val="SMDATA_13_IrKAXRMAAAAlAAAAZAAAAA8BAAAAkAAAAEgAAACQAAAASAAAAAAAAAAAAAAAAAAAAAEAAABQAAAAAAAAAAAA4D8AAAAAAADgPwAAAAAAAOA/AAAAAAAA4D8AAAAAAADgPwAAAAAAAOA/AAAAAAAA4D8AAAAAAADgPwAAAAAAAOA/AAAAAAAA4D8CAAAAjAAAAAEAAAAAAAAAhlHdAP///wgAAAAAAAAAAAAAAAAAAAAAAAAAAAAAAAAAAAAAZAAAAAEAAABAAAAAAAAAAAAAAAAAAAAAAAAAAAAAAAAAAAAAAAAAAAAAAAAAAAAAAAAAAAAAAAAAAAAAAAAAAAAAAAAAAAAAAAAAAAAAAAAAAAAAAAAAAAAAAAAAAAAAFAAAADwAAAABAAAAAAAAADYKngAoAAAAAQAAAAIAAAAAAAAAAAAAAAAAAAAAAAAAZAAAAGQAAAAAAAAAZAAAAGQAAAAVAAAAYAAAAAAAAAAAAAAADwAAACADAAAAAAAAAAAAAAEAAACgMgAAAAAAAAAAAAABAAAAf39/AAEAAABkAAAAAAAAABQAAABAHwAAAAAAACYAAAAAAAAAwOD//wAAAAAmAAAAZAAAABYAAABMAAAAAAAAAAAAAAAEAAAAAAAAAAEAAACAgIAKAAAAACgAAAAoAAAAZAAAAGQAAAAAAAAAzMzMAAAAAABQAAAAUAAAAGQAAABkAAAAAAAAABcAAAAUAAAAAAAAAAAAAAD/fwAA/38AAAAAAAAJAAAABAAAAAAAAAAMAAAAEAAAAAAAAAAAAAAAAAAAAAAAAAAeAAAAaAAAAAAAAAAAAAAAAAAAAAAAAAAAAAAAECcAABAnAAAAAAAAAAAAAAAAAAAAAAAAAAAAAAAAAAAAAAAAAAAAABQAAAAAAAAAwMD/AAAAAABkAAAAMgAAAAAAAABkAAAAAAAAAH9/fwAKAAAAHwAAAFQAAACGUd0A////AQAAAAAAAAAAAAAAAAAAAAAAAAAAAAAAAAAAAAAAAAAANgqeAH9/fwCAgIADzMzMAMDA/wB/f38AAAAAAAAAAAAAAAAAAAAAAAAAAAAhAAAAGAAAABQAAAC3IAAAQBsAAHsiAAD+HAAAEAAAACYAAAAIAAAA//////////8="/>
               </a:ext>
             </a:extLst>
           </p:cNvSpPr>
@@ -12997,7 +13011,7 @@
           <p:cNvSpPr>
             <a:extLst>
               <a:ext uri="smNativeData">
-                <pr:smNativeData xmlns:pr="smNativeData" val="SMDATA_13_BbpsXRMAAAAlAAAAyAAAAA8BAAAAkAAAAEgAAACQAAAASAAAAAAAAAAAAAAAAAAAAAEAAABQAAAAAIIphXg83z8IPYQeQg/RPwAAAAAAAOA/AAAAAAAA4D8AAAAAAADgPwAAAAAAAOA/AAAAAAAA4D8AAAAAAADgPwAAAAAAAOA/AAAAAAAA4D8CAAAAjAAAAAEAAAAAAAAANgqeAP///wgAAAAAAAAAAAAAAAAAAAAAAAAAAAAAAAAAAAAAZAAAAAEAAABAAAAAAAAAAAAAAAAAAAAAAAAAAAAAAAAAAAAAAAAAAAAAAAAAAAAAAAAAAAAAAAAAAAAAAAAAAAAAAAAAAAAAAAAAAAAAAAAAAAAAAAAAAAAAAAAAAAAAFAAAADwAAAAAAAAAAAAAAAAAAAkAAAAAAQAAAAAAAAAAAAAAAAAAAAAAAAAAAAAAZAAAAGQAAAAAAAAAZAAAAGQAAAAVAAAAYAAAAAAAAAAAAAAADwAAACADAAAAAAAAAAAAAAEAAACgMgAAAAAAAAAAAAABAAAAf39/AAEAAABkAAAAAAAAABQAAABAHwAAAAAAACYAAAAAAAAAwOD//wAAAAAmAAAAZAAAABYAAABMAAAAAAAAAAAAAAAEAAAAAAAAAAEAAACAgIAKAAAAACgAAAAoAAAAZAAAAGQAAAAAAAAAzMzMAAAAAABQAAAAUAAAAGQAAABkAAAAAAAAABcAAAAUAAAAAAAAAAAAAAD/fwAA/38AAAAAAAAJAAAABAAAAAAAAAAMAAAAEAAAAAAAAAAAAAAAAAAAAAAAAAAeAAAAaAAAAAAAAAAAAAAAAAAAAAAAAAAAAAAAECcAABAnAAAAAAAAAAAAAAAAAAAAAAAAAAAAAAAAAAAAAAAAAAAAABQAAAAAAAAAwMD/AAAAAABkAAAAMgAAAAAAAABkAAAAAAAAAH9/fwAKAAAAHwAAAFQAAAA2Cp4A////AQAAAAAAAAAAAAAAAAAAAAAAAAAAAAAAAAAAAAAAAAAAAAAAAn9/fwCAgIADzMzMAMDA/wB/f38AAAAAAAAAAAAAAAAAAAAAAAAAAAAhAAAAGAAAABQAAADlIQAAnhsAABokAADOHAAAEAAAACYAAAAIAAAA//////////8="/>
+                <pr:smNativeData xmlns:pr="smNativeData" val="SMDATA_13_IrKAXRMAAAAlAAAAyAAAAA8BAAAAkAAAAEgAAACQAAAASAAAAAAAAAAAAAAAAAAAAAEAAABQAAAAAIIphXg83z8IPYQeQg/RPwAAAAAAAOA/AAAAAAAA4D8AAAAAAADgPwAAAAAAAOA/AAAAAAAA4D8AAAAAAADgPwAAAAAAAOA/AAAAAAAA4D8CAAAAjAAAAAEAAAAAAAAANgqeAP///wgAAAAAAAAAAAAAAAAAAAAAAAAAAAAAAAAAAAAAZAAAAAEAAABAAAAAAAAAAAAAAAAAAAAAAAAAAAAAAAAAAAAAAAAAAAAAAAAAAAAAAAAAAAAAAAAAAAAAAAAAAAAAAAAAAAAAAAAAAAAAAAAAAAAAAAAAAAAAAAAAAAAAFAAAADwAAAAAAAAAAAAAAAAAAAkAAAAAAQAAAAAAAAAAAAAAAAAAAAAAAAAAAAAAZAAAAGQAAAAAAAAAZAAAAGQAAAAVAAAAYAAAAAAAAAAAAAAADwAAACADAAAAAAAAAAAAAAEAAACgMgAAAAAAAAAAAAABAAAAf39/AAEAAABkAAAAAAAAABQAAABAHwAAAAAAACYAAAAAAAAAwOD//wAAAAAmAAAAZAAAABYAAABMAAAAAAAAAAAAAAAEAAAAAAAAAAEAAACAgIAKAAAAACgAAAAoAAAAZAAAAGQAAAAAAAAAzMzMAAAAAABQAAAAUAAAAGQAAABkAAAAAAAAABcAAAAUAAAAAAAAAAAAAAD/fwAA/38AAAAAAAAJAAAABAAAAAAAAAAMAAAAEAAAAAAAAAAAAAAAAAAAAAAAAAAeAAAAaAAAAAAAAAAAAAAAAAAAAAAAAAAAAAAAECcAABAnAAAAAAAAAAAAAAAAAAAAAAAAAAAAAAAAAAAAAAAAAAAAABQAAAAAAAAAwMD/AAAAAABkAAAAMgAAAAAAAABkAAAAAAAAAH9/fwAKAAAAHwAAAFQAAAA2Cp4A////AQAAAAAAAAAAAAAAAAAAAAAAAAAAAAAAAAAAAAAAAAAAAAAAAn9/fwCAgIADzMzMAMDA/wB/f38AAAAAAAAAAAAAAAAAAAAAAAAAAAAhAAAAGAAAABQAAADlIQAAnhsAABokAADOHAAAEAAAACYAAAAIAAAA//////////8="/>
               </a:ext>
             </a:extLst>
           </p:cNvSpPr>
@@ -13029,7 +13043,7 @@
           <p:cNvSpPr txBox="1">
             <a:extLst>
               <a:ext uri="smNativeData">
-                <pr:smNativeData xmlns:pr="smNativeData" val="SMDATA_13_BbpsXRMAAAAlAAAAEgAAAE8BAAAAkAAAAEgAAACQAAAASAAAAAAAAAAAAAAAAAAAAAEAAABQAAAAAAAAAAAA4D8AAAAAAADgPwAAAAAAAOA/AAAAAAAA4D8AAAAAAADgPwAAAAAAAOA/AAAAAAAA4D8AAAAAAADgPwAAAAAAAOA/AAAAAAAA4D8CAAAAjAAAAAAAAAAAAAAAu+DjDP///wgAAAAAAAAAAAAAAAAAAAAAAAAAAAAAAAAAAAAAZAAAAAEAAABAAAAAAAAAAAAAAAAAAAAAAAAAAAAAAAAAAAAAAAAAAAAAAAAAAAAAAAAAAAAAAAAAAAAAAAAAAAAAAAAAAAAAAAAAAAAAAAAAAAAAAAAAAAAAAAAAAAAAFAAAADwAAAAAAAAAAAAAAAAAAAkUAAAAAQAAABQAAAAUAAAAFAAAAAEAAAAAAAAAZAAAAGQAAAAAAAAAZAAAAGQAAAAVAAAAYAAAAAAAAAAAAAAADwAAACADAAAAAAAAAAAAAAEAAACgMgAAVgcAAKr4//8BAAAAf39/AAEAAABkAAAAAAAAABQAAABAHwAAAAAAACYAAAAAAAAAwOD//wAAAAAmAAAAZAAAABYAAABMAAAAAAAAAAAAAAAEAAAAAAAAAAEAAACAgIAKAAAAACgAAAAoAAAAZAAAAGQAAAAAAAAAzMzMAAAAAABQAAAAUAAAAGQAAABkAAAAAAAAABcAAAAUAAAAAAAAANwIAAD/fwAA/38AAAAAAAAJAAAABAAAAAAAAAAMAAAAEAAAAAAAAAAAAAAAAAAAAAAAAAAeAAAAaAAAAAAAAAAAAAAAAAAAAAAAAAAAAAAAECcAABAnAAAAAAAAAAAAAAAAAAAAAAAAAAAAAAAAAAAAAAAAAAAAABQAAAAAAAAAwMD/AAAAAABkAAAAMgAAAAAAAABkAAAAAAAAAH9/fwAKAAAAHwAAAFQAAAC74OMF////AQAAAAAAAAAAAAAAAAAAAAAAAAAAAAAAAAAAAAAAAAAAAAAAAn9/fwCAgIADzMzMAMDA/wB/f38AAAAAAAAAAAAAAAAAAAAAAAAAAAAhAAAAGAAAABQAAAAFJAAAExsAAOEsAABTHQAAECAAACYAAAAIAAAA//////////8="/>
+                <pr:smNativeData xmlns:pr="smNativeData" val="SMDATA_13_IrKAXRMAAAAlAAAAEgAAAE8BAAAAkAAAAEgAAACQAAAASAAAAAAAAAAAAAAAAAAAAAEAAABQAAAAAAAAAAAA4D8AAAAAAADgPwAAAAAAAOA/AAAAAAAA4D8AAAAAAADgPwAAAAAAAOA/AAAAAAAA4D8AAAAAAADgPwAAAAAAAOA/AAAAAAAA4D8CAAAAjAAAAAAAAAAAAAAAu+DjDP///wgAAAAAAAAAAAAAAAAAAAAAAAAAAAAAAAAAAAAAZAAAAAEAAABAAAAAAAAAAAAAAAAAAAAAAAAAAAAAAAAAAAAAAAAAAAAAAAAAAAAAAAAAAAAAAAAAAAAAAAAAAAAAAAAAAAAAAAAAAAAAAAAAAAAAAAAAAAAAAAAAAAAAFAAAADwAAAAAAAAAAAAAAAAAAAkUAAAAAQAAABQAAAAUAAAAFAAAAAEAAAAAAAAAZAAAAGQAAAAAAAAAZAAAAGQAAAAVAAAAYAAAAAAAAAAAAAAADwAAACADAAAAAAAAAAAAAAEAAACgMgAAVgcAAKr4//8BAAAAf39/AAEAAABkAAAAAAAAABQAAABAHwAAAAAAACYAAAAAAAAAwOD//wAAAAAmAAAAZAAAABYAAABMAAAAAAAAAAAAAAAEAAAAAAAAAAEAAACAgIAKAAAAACgAAAAoAAAAZAAAAGQAAAAAAAAAzMzMAAAAAABQAAAAUAAAAGQAAABkAAAAAAAAABcAAAAUAAAAAAAAANwIAAD/fwAA/38AAAAAAAAJAAAABAAAAAAAAAAMAAAAEAAAAAAAAAAAAAAAAAAAAAAAAAAeAAAAaAAAAAAAAAAAAAAAAAAAAAAAAAAAAAAAECcAABAnAAAAAAAAAAAAAAAAAAAAAAAAAAAAAAAAAAAAAAAAAAAAABQAAAAAAAAAwMD/AAAAAABkAAAAMgAAAAAAAABkAAAAAAAAAH9/fwAKAAAAHwAAAFQAAAC74OMF////AQAAAAAAAAAAAAAAAAAAAAAAAAAAAAAAAAAAAAAAAAAAAAAAAn9/fwCAgIADzMzMAMDA/wB/f38AAAAAAAAAAAAAAAAAAAAAAAAAAAAhAAAAGAAAABQAAAAFJAAAExsAAOEsAABTHQAAECAAACYAAAAIAAAA//////////8="/>
               </a:ext>
             </a:extLst>
           </p:cNvSpPr>
@@ -13075,7 +13089,7 @@
           <p:cNvSpPr>
             <a:extLst>
               <a:ext uri="smNativeData">
-                <pr:smNativeData xmlns:pr="smNativeData" val="SMDATA_13_BbpsXRMAAAAlAAAAZAAAAA8BAAAAkAAAAEgAAACQAAAASAAAAAAAAAAAAAAAAAAAAAEAAABQAAAAAAAAAAAA4D8AAAAAAADgPwAAAAAAAOA/AAAAAAAA4D8AAAAAAADgPwAAAAAAAOA/AAAAAAAA4D8AAAAAAADgPwAAAAAAAOA/AAAAAAAA4D8CAAAAjAAAAAEAAAAAAAAAhlHdAP///wgAAAAAAAAAAAAAAAAAAAAAAAAAAAAAAAAAAAAAZAAAAAEAAABAAAAAAAAAAAAAAAAAAAAAAAAAAAAAAAAAAAAAAAAAAAAAAAAAAAAAAAAAAAAAAAAAAAAAAAAAAAAAAAAAAAAAAAAAAAAAAAAAAAAAAAAAAAAAAAAAAAAAFAAAADwAAAABAAAAAAAAADYKngAoAAAAAQAAAAIAAAAAAAAAAAAAAAAAAAAAAAAAZAAAAGQAAAAAAAAAZAAAAGQAAAAVAAAAYAAAAAAAAAAAAAAADwAAACADAAAAAAAAAAAAAAEAAACgMgAAAAAAAAAAAAABAAAAf39/AAEAAABkAAAAAAAAABQAAABAHwAAAAAAACYAAAAAAAAAwOD//wAAAAAmAAAAZAAAABYAAABMAAAAAAAAAAAAAAAEAAAAAAAAAAEAAACAgIAKAAAAACgAAAAoAAAAZAAAAGQAAAAAAAAAzMzMAAAAAABQAAAAUAAAAGQAAABkAAAAAAAAABcAAAAUAAAAAAAAAAAAAAD/fwAA/38AAAAAAAAJAAAABAAAAAAAAAAMAAAAEAAAAAAAAAAAAAAAAAAAAAAAAAAeAAAAaAAAAAAAAAAAAAAAAAAAAAAAAAAAAAAAECcAABAnAAAAAAAAAAAAAAAAAAAAAAAAAAAAAAAAAAAAAAAAAAAAABQAAAAAAAAAwMD/AAAAAABkAAAAMgAAAAAAAABkAAAAAAAAAH9/fwAKAAAAHwAAAFQAAACGUd0A////AQAAAAAAAAAAAAAAAAAAAAAAAAAAAAAAAAAAAAAAAAAANgqeAH9/fwCAgIADzMzMAMDA/wB/f38AAAAAAAAAAAAAAAAAAAAAAAAAAAAhAAAAGAAAABQAAAC3IAAAkBYAAHsiAABOGAAAEAAAACYAAAAIAAAA//////////8="/>
+                <pr:smNativeData xmlns:pr="smNativeData" val="SMDATA_13_IrKAXRMAAAAlAAAAZAAAAA8BAAAAkAAAAEgAAACQAAAASAAAAAAAAAAAAAAAAAAAAAEAAABQAAAAAAAAAAAA4D8AAAAAAADgPwAAAAAAAOA/AAAAAAAA4D8AAAAAAADgPwAAAAAAAOA/AAAAAAAA4D8AAAAAAADgPwAAAAAAAOA/AAAAAAAA4D8CAAAAjAAAAAEAAAAAAAAAhlHdAP///wgAAAAAAAAAAAAAAAAAAAAAAAAAAAAAAAAAAAAAZAAAAAEAAABAAAAAAAAAAAAAAAAAAAAAAAAAAAAAAAAAAAAAAAAAAAAAAAAAAAAAAAAAAAAAAAAAAAAAAAAAAAAAAAAAAAAAAAAAAAAAAAAAAAAAAAAAAAAAAAAAAAAAFAAAADwAAAABAAAAAAAAADYKngAoAAAAAQAAAAIAAAAAAAAAAAAAAAAAAAAAAAAAZAAAAGQAAAAAAAAAZAAAAGQAAAAVAAAAYAAAAAAAAAAAAAAADwAAACADAAAAAAAAAAAAAAEAAACgMgAAAAAAAAAAAAABAAAAf39/AAEAAABkAAAAAAAAABQAAABAHwAAAAAAACYAAAAAAAAAwOD//wAAAAAmAAAAZAAAABYAAABMAAAAAAAAAAAAAAAEAAAAAAAAAAEAAACAgIAKAAAAACgAAAAoAAAAZAAAAGQAAAAAAAAAzMzMAAAAAABQAAAAUAAAAGQAAABkAAAAAAAAABcAAAAUAAAAAAAAAAAAAAD/fwAA/38AAAAAAAAJAAAABAAAAAAAAAAMAAAAEAAAAAAAAAAAAAAAAAAAAAAAAAAeAAAAaAAAAAAAAAAAAAAAAAAAAAAAAAAAAAAAECcAABAnAAAAAAAAAAAAAAAAAAAAAAAAAAAAAAAAAAAAAAAAAAAAABQAAAAAAAAAwMD/AAAAAABkAAAAMgAAAAAAAABkAAAAAAAAAH9/fwAKAAAAHwAAAFQAAACGUd0A////AQAAAAAAAAAAAAAAAAAAAAAAAAAAAAAAAAAAAAAAAAAANgqeAH9/fwCAgIADzMzMAMDA/wB/f38AAAAAAAAAAAAAAAAAAAAAAAAAAAAhAAAAGAAAABQAAAC3IAAAkBYAAHsiAABOGAAAEAAAACYAAAAIAAAA//////////8="/>
               </a:ext>
             </a:extLst>
           </p:cNvSpPr>
@@ -13109,7 +13123,7 @@
           <p:cNvSpPr>
             <a:extLst>
               <a:ext uri="smNativeData">
-                <pr:smNativeData xmlns:pr="smNativeData" val="SMDATA_13_BbpsXRMAAAAlAAAAyAAAAA8BAAAAkAAAAEgAAACQAAAASAAAAAAAAAAAAAAAAAAAAAEAAABQAAAAAIIphXg83z8IPYQeQg/RPwAAAAAAAOA/AAAAAAAA4D8AAAAAAADgPwAAAAAAAOA/AAAAAAAA4D8AAAAAAADgPwAAAAAAAOA/AAAAAAAA4D8CAAAAjAAAAAEAAAAAAAAANgqeAP///wgAAAAAAAAAAAAAAAAAAAAAAAAAAAAAAAAAAAAAZAAAAAEAAABAAAAAAAAAAAAAAAAAAAAAAAAAAAAAAAAAAAAAAAAAAAAAAAAAAAAAAAAAAAAAAAAAAAAAAAAAAAAAAAAAAAAAAAAAAAAAAAAAAAAAAAAAAAAAAAAAAAAAFAAAADwAAAAAAAAAAAAAAAAAAAkAAAAAAQAAAAAAAAAAAAAAAAAAAAAAAAAAAAAAZAAAAGQAAAAAAAAAZAAAAGQAAAAVAAAAYAAAAAAAAAAAAAAADwAAACADAAAAAAAAAAAAAAEAAACgMgAAAAAAAAAAAAABAAAAf39/AAEAAABkAAAAAAAAABQAAABAHwAAAAAAACYAAAAAAAAAwOD//wAAAAAmAAAAZAAAABYAAABMAAAAAAAAAAAAAAAEAAAAAAAAAAEAAACAgIAKAAAAACgAAAAoAAAAZAAAAGQAAAAAAAAAzMzMAAAAAABQAAAAUAAAAGQAAABkAAAAAAAAABcAAAAUAAAAAAAAAAAAAAD/fwAA/38AAAAAAAAJAAAABAAAAAAAAAAMAAAAEAAAAAAAAAAAAAAAAAAAAAAAAAAeAAAAaAAAAAAAAAAAAAAAAAAAAAAAAAAAAAAAECcAABAnAAAAAAAAAAAAAAAAAAAAAAAAAAAAAAAAAAAAAAAAAAAAABQAAAAAAAAAwMD/AAAAAABkAAAAMgAAAAAAAABkAAAAAAAAAH9/fwAKAAAAHwAAAFQAAAA2Cp4A////AQAAAAAAAAAAAAAAAAAAAAAAAAAAAAAAAAAAAAAAAAAAAAAAAn9/fwCAgIADzMzMAMDA/wB/f38AAAAAAAAAAAAAAAAAAAAAAAAAAAAhAAAAGAAAABQAAADlIQAA7hYAABokAAAeGAAAEAAAACYAAAAIAAAA//////////8="/>
+                <pr:smNativeData xmlns:pr="smNativeData" val="SMDATA_13_IrKAXRMAAAAlAAAAyAAAAA8BAAAAkAAAAEgAAACQAAAASAAAAAAAAAAAAAAAAAAAAAEAAABQAAAAAIIphXg83z8IPYQeQg/RPwAAAAAAAOA/AAAAAAAA4D8AAAAAAADgPwAAAAAAAOA/AAAAAAAA4D8AAAAAAADgPwAAAAAAAOA/AAAAAAAA4D8CAAAAjAAAAAEAAAAAAAAANgqeAP///wgAAAAAAAAAAAAAAAAAAAAAAAAAAAAAAAAAAAAAZAAAAAEAAABAAAAAAAAAAAAAAAAAAAAAAAAAAAAAAAAAAAAAAAAAAAAAAAAAAAAAAAAAAAAAAAAAAAAAAAAAAAAAAAAAAAAAAAAAAAAAAAAAAAAAAAAAAAAAAAAAAAAAFAAAADwAAAAAAAAAAAAAAAAAAAkAAAAAAQAAAAAAAAAAAAAAAAAAAAAAAAAAAAAAZAAAAGQAAAAAAAAAZAAAAGQAAAAVAAAAYAAAAAAAAAAAAAAADwAAACADAAAAAAAAAAAAAAEAAACgMgAAAAAAAAAAAAABAAAAf39/AAEAAABkAAAAAAAAABQAAABAHwAAAAAAACYAAAAAAAAAwOD//wAAAAAmAAAAZAAAABYAAABMAAAAAAAAAAAAAAAEAAAAAAAAAAEAAACAgIAKAAAAACgAAAAoAAAAZAAAAGQAAAAAAAAAzMzMAAAAAABQAAAAUAAAAGQAAABkAAAAAAAAABcAAAAUAAAAAAAAAAAAAAD/fwAA/38AAAAAAAAJAAAABAAAAAAAAAAMAAAAEAAAAAAAAAAAAAAAAAAAAAAAAAAeAAAAaAAAAAAAAAAAAAAAAAAAAAAAAAAAAAAAECcAABAnAAAAAAAAAAAAAAAAAAAAAAAAAAAAAAAAAAAAAAAAAAAAABQAAAAAAAAAwMD/AAAAAABkAAAAMgAAAAAAAABkAAAAAAAAAH9/fwAKAAAAHwAAAFQAAAA2Cp4A////AQAAAAAAAAAAAAAAAAAAAAAAAAAAAAAAAAAAAAAAAAAAAAAAAn9/fwCAgIADzMzMAMDA/wB/f38AAAAAAAAAAAAAAAAAAAAAAAAAAAAhAAAAGAAAABQAAADlIQAA7hYAABokAAAeGAAAEAAAACYAAAAIAAAA//////////8="/>
               </a:ext>
             </a:extLst>
           </p:cNvSpPr>
@@ -13141,7 +13155,7 @@
           <p:cNvSpPr txBox="1">
             <a:extLst>
               <a:ext uri="smNativeData">
-                <pr:smNativeData xmlns:pr="smNativeData" val="SMDATA_13_BbpsXRMAAAAlAAAAEgAAAE8BAAAAkAAAAEgAAACQAAAASAAAAAAAAAAAAAAAAAAAAAEAAABQAAAAAAAAAAAA4D8AAAAAAADgPwAAAAAAAOA/AAAAAAAA4D8AAAAAAADgPwAAAAAAAOA/AAAAAAAA4D8AAAAAAADgPwAAAAAAAOA/AAAAAAAA4D8CAAAAjAAAAAAAAAAAAAAAu+DjDP///wgAAAAAAAAAAAAAAAAAAAAAAAAAAAAAAAAAAAAAZAAAAAEAAABAAAAAAAAAAAAAAAAAAAAAAAAAAAAAAAAAAAAAAAAAAAAAAAAAAAAAAAAAAAAAAAAAAAAAAAAAAAAAAAAAAAAAAAAAAAAAAAAAAAAAAAAAAAAAAAAAAAAAFAAAADwAAAAAAAAAAAAAAAAAAAkUAAAAAQAAABQAAAAUAAAAFAAAAAEAAAAAAAAAZAAAAGQAAAAAAAAAZAAAAGQAAAAVAAAAYAAAAAAAAAAAAAAADwAAACADAAAAAAAAAAAAAAEAAACgMgAAVgcAAKr4//8BAAAAf39/AAEAAABkAAAAAAAAABQAAABAHwAAAAAAACYAAAAAAAAAwOD//wAAAAAmAAAAZAAAABYAAABMAAAAAAAAAAAAAAAEAAAAAAAAAAEAAACAgIAKAAAAACgAAAAoAAAAZAAAAGQAAAAAAAAAzMzMAAAAAABQAAAAUAAAAGQAAABkAAAAAAAAABcAAAAUAAAAAAAAANwIAAD/fwAA/38AAAAAAAAJAAAABAAAAAAAAAAMAAAAEAAAAAAAAAAAAAAAAAAAAAAAAAAeAAAAaAAAAAAAAAAAAAAAAAAAAAAAAAAAAAAAECcAABAnAAAAAAAAAAAAAAAAAAAAAAAAAAAAAAAAAAAAAAAAAAAAABQAAAAAAAAAwMD/AAAAAABkAAAAMgAAAAAAAABkAAAAAAAAAH9/fwAKAAAAHwAAAFQAAAC74OMF////AQAAAAAAAAAAAAAAAAAAAAAAAAAAAAAAAAAAAAAAAAAAAAAAAn9/fwCAgIADzMzMAMDA/wB/f38AAAAAAAAAAAAAAAAAAAAAAAAAAAAhAAAAGAAAABQAAAAFJAAAYxYAAOEsAACjGAAAECAAACYAAAAIAAAA//////////8="/>
+                <pr:smNativeData xmlns:pr="smNativeData" val="SMDATA_13_IrKAXRMAAAAlAAAAEgAAAE8BAAAAkAAAAEgAAACQAAAASAAAAAAAAAAAAAAAAAAAAAEAAABQAAAAAAAAAAAA4D8AAAAAAADgPwAAAAAAAOA/AAAAAAAA4D8AAAAAAADgPwAAAAAAAOA/AAAAAAAA4D8AAAAAAADgPwAAAAAAAOA/AAAAAAAA4D8CAAAAjAAAAAAAAAAAAAAAu+DjDP///wgAAAAAAAAAAAAAAAAAAAAAAAAAAAAAAAAAAAAAZAAAAAEAAABAAAAAAAAAAAAAAAAAAAAAAAAAAAAAAAAAAAAAAAAAAAAAAAAAAAAAAAAAAAAAAAAAAAAAAAAAAAAAAAAAAAAAAAAAAAAAAAAAAAAAAAAAAAAAAAAAAAAAFAAAADwAAAAAAAAAAAAAAAAAAAkUAAAAAQAAABQAAAAUAAAAFAAAAAEAAAAAAAAAZAAAAGQAAAAAAAAAZAAAAGQAAAAVAAAAYAAAAAAAAAAAAAAADwAAACADAAAAAAAAAAAAAAEAAACgMgAAVgcAAKr4//8BAAAAf39/AAEAAABkAAAAAAAAABQAAABAHwAAAAAAACYAAAAAAAAAwOD//wAAAAAmAAAAZAAAABYAAABMAAAAAAAAAAAAAAAEAAAAAAAAAAEAAACAgIAKAAAAACgAAAAoAAAAZAAAAGQAAAAAAAAAzMzMAAAAAABQAAAAUAAAAGQAAABkAAAAAAAAABcAAAAUAAAAAAAAANwIAAD/fwAA/38AAAAAAAAJAAAABAAAAAAAAAAMAAAAEAAAAAAAAAAAAAAAAAAAAAAAAAAeAAAAaAAAAAAAAAAAAAAAAAAAAAAAAAAAAAAAECcAABAnAAAAAAAAAAAAAAAAAAAAAAAAAAAAAAAAAAAAAAAAAAAAABQAAAAAAAAAwMD/AAAAAABkAAAAMgAAAAAAAABkAAAAAAAAAH9/fwAKAAAAHwAAAFQAAAC74OMF////AQAAAAAAAAAAAAAAAAAAAAAAAAAAAAAAAAAAAAAAAAAAAAAAAn9/fwCAgIADzMzMAMDA/wB/f38AAAAAAAAAAAAAAAAAAAAAAAAAAAAhAAAAGAAAABQAAAAFJAAAYxYAAOEsAACjGAAAECAAACYAAAAIAAAA//////////8="/>
               </a:ext>
             </a:extLst>
           </p:cNvSpPr>
@@ -13187,7 +13201,7 @@
           <p:cNvSpPr>
             <a:extLst>
               <a:ext uri="smNativeData">
-                <pr:smNativeData xmlns:pr="smNativeData" val="SMDATA_13_BbpsXRMAAAAlAAAAZAAAAA8BAAAAkAAAAEgAAACQAAAASAAAAAAAAAAAAAAAAAAAAAEAAABQAAAAAAAAAAAA4D8AAAAAAADgPwAAAAAAAOA/AAAAAAAA4D8AAAAAAADgPwAAAAAAAOA/AAAAAAAA4D8AAAAAAADgPwAAAAAAAOA/AAAAAAAA4D8CAAAAjAAAAAEAAAAAAAAASdZJAP///wgAAAAAAAAAAAAAAAAAAAAAAAAAAAAAAAAAAAAAZAAAAAEAAABAAAAAAAAAAAAAAAAAAAAAAAAAAAAAAAAAAAAAAAAAAAAAAAAAAAAAAAAAAAAAAAAAAAAAAAAAAAAAAAAAAAAAAAAAAAAAAAAAAAAAAAAAAAAAAAAAAAAAFAAAADwAAAABAAAAAAAAABx9HAAoAAAAAQAAAAIAAAAAAAAAAAAAAAAAAAAAAAAAZAAAAGQAAAAAAAAAZAAAAGQAAAAVAAAAYAAAAAAAAAAAAAAADwAAACADAAAAAAAAAAAAAAEAAACgMgAAAAAAAAAAAAABAAAAf39/AAEAAABkAAAAAAAAABQAAABAHwAAAAAAACYAAAAAAAAAwOD//wAAAAAmAAAAZAAAABYAAABMAAAAAAAAAAAAAAAEAAAAAAAAAAEAAACAgIAKAAAAACgAAAAoAAAAZAAAAGQAAAAAAAAAzMzMAAAAAABQAAAAUAAAAGQAAABkAAAAAAAAABcAAAAUAAAAAAAAAAAAAAD/fwAA/38AAAAAAAAJAAAABAAAAAAAAAAMAAAAEAAAAAAAAAAAAAAAAAAAAAAAAAAeAAAAaAAAAAAAAAAAAAAAAAAAAAAAAAAAAAAAECcAABAnAAAAAAAAAAAAAAAAAAAAAAAAAAAAAAAAAAAAAAAAAAAAABQAAAAAAAAAwMD/AAAAAABkAAAAMgAAAAAAAABkAAAAAAAAAH9/fwAKAAAAHwAAAFQAAABJ1kkA////AQAAAAAAAAAAAAAAAAAAAAAAAAAAAAAAAAAAAAAAAAAAHH0cAH9/fwCAgIADzMzMAMDA/wB/f38AAAAAAAAAAAAAAAAAAAAAAAAAAAAhAAAAGAAAABQAAAC1IAAAICAAAHkiAADeIQAAEAAAACYAAAAIAAAA//////////8="/>
+                <pr:smNativeData xmlns:pr="smNativeData" val="SMDATA_13_IrKAXRMAAAAlAAAAZAAAAA8BAAAAkAAAAEgAAACQAAAASAAAAAAAAAAAAAAAAAAAAAEAAABQAAAAAAAAAAAA4D8AAAAAAADgPwAAAAAAAOA/AAAAAAAA4D8AAAAAAADgPwAAAAAAAOA/AAAAAAAA4D8AAAAAAADgPwAAAAAAAOA/AAAAAAAA4D8CAAAAjAAAAAEAAAAAAAAASdZJAP///wgAAAAAAAAAAAAAAAAAAAAAAAAAAAAAAAAAAAAAZAAAAAEAAABAAAAAAAAAAAAAAAAAAAAAAAAAAAAAAAAAAAAAAAAAAAAAAAAAAAAAAAAAAAAAAAAAAAAAAAAAAAAAAAAAAAAAAAAAAAAAAAAAAAAAAAAAAAAAAAAAAAAAFAAAADwAAAABAAAAAAAAABx9HAAoAAAAAQAAAAIAAAAAAAAAAAAAAAAAAAAAAAAAZAAAAGQAAAAAAAAAZAAAAGQAAAAVAAAAYAAAAAAAAAAAAAAADwAAACADAAAAAAAAAAAAAAEAAACgMgAAAAAAAAAAAAABAAAAf39/AAEAAABkAAAAAAAAABQAAABAHwAAAAAAACYAAAAAAAAAwOD//wAAAAAmAAAAZAAAABYAAABMAAAAAAAAAAAAAAAEAAAAAAAAAAEAAACAgIAKAAAAACgAAAAoAAAAZAAAAGQAAAAAAAAAzMzMAAAAAABQAAAAUAAAAGQAAABkAAAAAAAAABcAAAAUAAAAAAAAAAAAAAD/fwAA/38AAAAAAAAJAAAABAAAAAAAAAAMAAAAEAAAAAAAAAAAAAAAAAAAAAAAAAAeAAAAaAAAAAAAAAAAAAAAAAAAAAAAAAAAAAAAECcAABAnAAAAAAAAAAAAAAAAAAAAAAAAAAAAAAAAAAAAAAAAAAAAABQAAAAAAAAAwMD/AAAAAABkAAAAMgAAAAAAAABkAAAAAAAAAH9/fwAKAAAAHwAAAFQAAABJ1kkA////AQAAAAAAAAAAAAAAAAAAAAAAAAAAAAAAAAAAAAAAAAAAHH0cAH9/fwCAgIADzMzMAMDA/wB/f38AAAAAAAAAAAAAAAAAAAAAAAAAAAAhAAAAGAAAABQAAAC1IAAAICAAAHkiAADeIQAAEAAAACYAAAAIAAAA//////////8="/>
               </a:ext>
             </a:extLst>
           </p:cNvSpPr>
@@ -13221,7 +13235,7 @@
           <p:cNvSpPr>
             <a:extLst>
               <a:ext uri="smNativeData">
-                <pr:smNativeData xmlns:pr="smNativeData" val="SMDATA_13_BbpsXRMAAAAlAAAAyAAAAA8BAAAAkAAAAEgAAACQAAAASAAAAAAAAAAAAAAAAAAAAAEAAABQAAAAAIIphXg83z8IPYQeQg/RPwAAAAAAAOA/AAAAAAAA4D8AAAAAAADgPwAAAAAAAOA/AAAAAAAA4D8AAAAAAADgPwAAAAAAAOA/AAAAAAAA4D8CAAAAjAAAAAEAAAAAAAAAHH0cAP///wgAAAAAAAAAAAAAAAAAAAAAAAAAAAAAAAAAAAAAZAAAAAEAAABAAAAAAAAAAAAAAAAAAAAAAAAAAAAAAAAAAAAAAAAAAAAAAAAAAAAAAAAAAAAAAAAAAAAAAAAAAAAAAAAAAAAAAAAAAAAAAAAAAAAAAAAAAAAAAAAAAAAAFAAAADwAAAAAAAAAAAAAAAAAAAkAAAAAAQAAAAAAAAAAAAAAAAAAAAAAAAAAAAAAZAAAAGQAAAAAAAAAZAAAAGQAAAAVAAAAYAAAAAAAAAAAAAAADwAAACADAAAAAAAAAAAAAAEAAACgMgAAAAAAAAAAAAABAAAAf39/AAEAAABkAAAAAAAAABQAAABAHwAAAAAAACYAAAAAAAAAwOD//wAAAAAmAAAAZAAAABYAAABMAAAAAAAAAAAAAAAEAAAAAAAAAAEAAACAgIAKAAAAACgAAAAoAAAAZAAAAGQAAAAAAAAAzMzMAAAAAABQAAAAUAAAAGQAAABkAAAAAAAAABcAAAAUAAAAAAAAAAAAAAD/fwAA/38AAAAAAAAJAAAABAAAAAAAAAAMAAAAEAAAAAAAAAAAAAAAAAAAAAAAAAAeAAAAaAAAAAAAAAAAAAAAAAAAAAAAAAAAAAAAECcAABAnAAAAAAAAAAAAAAAAAAAAAAAAAAAAAAAAAAAAAAAAAAAAABQAAAAAAAAAwMD/AAAAAABkAAAAMgAAAAAAAABkAAAAAAAAAH9/fwAKAAAAHwAAAFQAAAAcfRwA////AQAAAAAAAAAAAAAAAAAAAAAAAAAAAAAAAAAAAAAAAAAAAAAAAn9/fwCAgIADzMzMAMDA/wB/f38AAAAAAAAAAAAAAAAAAAAAAAAAAAAhAAAAGAAAABQAAADjIQAAfiAAABgkAACuIQAAEAAAACYAAAAIAAAA//////////8="/>
+                <pr:smNativeData xmlns:pr="smNativeData" val="SMDATA_13_IrKAXRMAAAAlAAAAyAAAAA8BAAAAkAAAAEgAAACQAAAASAAAAAAAAAAAAAAAAAAAAAEAAABQAAAAAIIphXg83z8IPYQeQg/RPwAAAAAAAOA/AAAAAAAA4D8AAAAAAADgPwAAAAAAAOA/AAAAAAAA4D8AAAAAAADgPwAAAAAAAOA/AAAAAAAA4D8CAAAAjAAAAAEAAAAAAAAAHH0cAP///wgAAAAAAAAAAAAAAAAAAAAAAAAAAAAAAAAAAAAAZAAAAAEAAABAAAAAAAAAAAAAAAAAAAAAAAAAAAAAAAAAAAAAAAAAAAAAAAAAAAAAAAAAAAAAAAAAAAAAAAAAAAAAAAAAAAAAAAAAAAAAAAAAAAAAAAAAAAAAAAAAAAAAFAAAADwAAAAAAAAAAAAAAAAAAAkAAAAAAQAAAAAAAAAAAAAAAAAAAAAAAAAAAAAAZAAAAGQAAAAAAAAAZAAAAGQAAAAVAAAAYAAAAAAAAAAAAAAADwAAACADAAAAAAAAAAAAAAEAAACgMgAAAAAAAAAAAAABAAAAf39/AAEAAABkAAAAAAAAABQAAABAHwAAAAAAACYAAAAAAAAAwOD//wAAAAAmAAAAZAAAABYAAABMAAAAAAAAAAAAAAAEAAAAAAAAAAEAAACAgIAKAAAAACgAAAAoAAAAZAAAAGQAAAAAAAAAzMzMAAAAAABQAAAAUAAAAGQAAABkAAAAAAAAABcAAAAUAAAAAAAAAAAAAAD/fwAA/38AAAAAAAAJAAAABAAAAAAAAAAMAAAAEAAAAAAAAAAAAAAAAAAAAAAAAAAeAAAAaAAAAAAAAAAAAAAAAAAAAAAAAAAAAAAAECcAABAnAAAAAAAAAAAAAAAAAAAAAAAAAAAAAAAAAAAAAAAAAAAAABQAAAAAAAAAwMD/AAAAAABkAAAAMgAAAAAAAABkAAAAAAAAAH9/fwAKAAAAHwAAAFQAAAAcfRwA////AQAAAAAAAAAAAAAAAAAAAAAAAAAAAAAAAAAAAAAAAAAAAAAAAn9/fwCAgIADzMzMAMDA/wB/f38AAAAAAAAAAAAAAAAAAAAAAAAAAAAhAAAAGAAAABQAAADjIQAAfiAAABgkAACuIQAAEAAAACYAAAAIAAAA//////////8="/>
               </a:ext>
             </a:extLst>
           </p:cNvSpPr>
@@ -13253,7 +13267,7 @@
           <p:cNvSpPr txBox="1">
             <a:extLst>
               <a:ext uri="smNativeData">
-                <pr:smNativeData xmlns:pr="smNativeData" val="SMDATA_13_BbpsXRMAAAAlAAAAEgAAAE8BAAAAkAAAAEgAAACQAAAASAAAAAAAAAAAAAAAAAAAAAEAAABQAAAAAAAAAAAA4D8AAAAAAADgPwAAAAAAAOA/AAAAAAAA4D8AAAAAAADgPwAAAAAAAOA/AAAAAAAA4D8AAAAAAADgPwAAAAAAAOA/AAAAAAAA4D8CAAAAjAAAAAAAAAAAAAAAu+DjDP///wgAAAAAAAAAAAAAAAAAAAAAAAAAAAAAAAAAAAAAZAAAAAEAAABAAAAAAAAAAAAAAAAAAAAAAAAAAAAAAAAAAAAAAAAAAAAAAAAAAAAAAAAAAAAAAAAAAAAAAAAAAAAAAAAAAAAAAAAAAAAAAAAAAAAAAAAAAAAAAAAAAAAAFAAAADwAAAAAAAAAAAAAAAAAAAkUAAAAAQAAABQAAAAUAAAAFAAAAAEAAAAAAAAAZAAAAGQAAAAAAAAAZAAAAGQAAAAVAAAAYAAAAAAAAAAAAAAADwAAACADAAAAAAAAAAAAAAEAAACgMgAAVgcAAKr4//8BAAAAf39/AAEAAABkAAAAAAAAABQAAABAHwAAAAAAACYAAAAAAAAAwOD//wAAAAAmAAAAZAAAABYAAABMAAAAAAAAAAAAAAAEAAAAAAAAAAEAAACAgIAKAAAAACgAAAAoAAAAZAAAAGQAAAAAAAAAzMzMAAAAAABQAAAAUAAAAGQAAABkAAAAAAAAABcAAAAUAAAAAAAAANwIAAD/fwAA/38AAAAAAAAJAAAABAAAAAAAAAAMAAAAEAAAAAAAAAAAAAAAAAAAAAAAAAAeAAAAaAAAAAAAAAAAAAAAAAAAAAAAAAAAAAAAECcAABAnAAAAAAAAAAAAAAAAAAAAAAAAAAAAAAAAAAAAAAAAAAAAABQAAAAAAAAAwMD/AAAAAABkAAAAMgAAAAAAAABkAAAAAAAAAH9/fwAKAAAAHwAAAFQAAAC74OMF////AQAAAAAAAAAAAAAAAAAAAAAAAAAAAAAAAAAAAAAAAAAAAAAAAn9/fwCAgIADzMzMAMDA/wB/f38AAAAAAAAAAAAAAAAAAAAAAAAAAAAhAAAAGAAAABQAAAADJAAA8x8AAN8sAAAzIgAAECAAACYAAAAIAAAA//////////8="/>
+                <pr:smNativeData xmlns:pr="smNativeData" val="SMDATA_13_IrKAXRMAAAAlAAAAEgAAAE8BAAAAkAAAAEgAAACQAAAASAAAAAAAAAAAAAAAAAAAAAEAAABQAAAAAAAAAAAA4D8AAAAAAADgPwAAAAAAAOA/AAAAAAAA4D8AAAAAAADgPwAAAAAAAOA/AAAAAAAA4D8AAAAAAADgPwAAAAAAAOA/AAAAAAAA4D8CAAAAjAAAAAAAAAAAAAAAu+DjDP///wgAAAAAAAAAAAAAAAAAAAAAAAAAAAAAAAAAAAAAZAAAAAEAAABAAAAAAAAAAAAAAAAAAAAAAAAAAAAAAAAAAAAAAAAAAAAAAAAAAAAAAAAAAAAAAAAAAAAAAAAAAAAAAAAAAAAAAAAAAAAAAAAAAAAAAAAAAAAAAAAAAAAAFAAAADwAAAAAAAAAAAAAAAAAAAkUAAAAAQAAABQAAAAUAAAAFAAAAAEAAAAAAAAAZAAAAGQAAAAAAAAAZAAAAGQAAAAVAAAAYAAAAAAAAAAAAAAADwAAACADAAAAAAAAAAAAAAEAAACgMgAAVgcAAKr4//8BAAAAf39/AAEAAABkAAAAAAAAABQAAABAHwAAAAAAACYAAAAAAAAAwOD//wAAAAAmAAAAZAAAABYAAABMAAAAAAAAAAAAAAAEAAAAAAAAAAEAAACAgIAKAAAAACgAAAAoAAAAZAAAAGQAAAAAAAAAzMzMAAAAAABQAAAAUAAAAGQAAABkAAAAAAAAABcAAAAUAAAAAAAAANwIAAD/fwAA/38AAAAAAAAJAAAABAAAAAAAAAAMAAAAEAAAAAAAAAAAAAAAAAAAAAAAAAAeAAAAaAAAAAAAAAAAAAAAAAAAAAAAAAAAAAAAECcAABAnAAAAAAAAAAAAAAAAAAAAAAAAAAAAAAAAAAAAAAAAAAAAABQAAAAAAAAAwMD/AAAAAABkAAAAMgAAAAAAAABkAAAAAAAAAH9/fwAKAAAAHwAAAFQAAAC74OMF////AQAAAAAAAAAAAAAAAAAAAAAAAAAAAAAAAAAAAAAAAAAAAAAAAn9/fwCAgIADzMzMAMDA/wB/f38AAAAAAAAAAAAAAAAAAAAAAAAAAAAhAAAAGAAAABQAAAADJAAA8x8AAN8sAAAzIgAAECAAACYAAAAIAAAA//////////8="/>
               </a:ext>
             </a:extLst>
           </p:cNvSpPr>
@@ -13299,7 +13313,7 @@
           <p:cNvSpPr>
             <a:extLst>
               <a:ext uri="smNativeData">
-                <pr:smNativeData xmlns:pr="smNativeData" val="SMDATA_13_BbpsXRMAAAAlAAAAZAAAAA8BAAAAkAAAAEgAAACQAAAASAAAAAAAAAAAAAAAAAAAAAEAAABQAAAAAAAAAAAA4D8AAAAAAADgPwAAAAAAAOA/AAAAAAAA4D8AAAAAAADgPwAAAAAAAOA/AAAAAAAA4D8AAAAAAADgPwAAAAAAAOA/AAAAAAAA4D8CAAAAjAAAAAEAAAAAAAAASdZJAP///wgAAAAAAAAAAAAAAAAAAAAAAAAAAAAAAAAAAAAAZAAAAAEAAABAAAAAAAAAAAAAAAAAAAAAAAAAAAAAAAAAAAAAAAAAAAAAAAAAAAAAAAAAAAAAAAAAAAAAAAAAAAAAAAAAAAAAAAAAAAAAAAAAAAAAAAAAAAAAAAAAAAAAFAAAADwAAAABAAAAAAAAABx9HAAoAAAAAQAAAAIAAAAAAAAAAAAAAAAAAAAAAAAAZAAAAGQAAAAAAAAAZAAAAGQAAAAVAAAAYAAAAAAAAAAAAAAADwAAACADAAAAAAAAAAAAAAEAAACgMgAAAAAAAAAAAAABAAAAf39/AAEAAABkAAAAAAAAABQAAABAHwAAAAAAACYAAAAAAAAAwOD//wAAAAAmAAAAZAAAABYAAABMAAAAAAAAAAAAAAAEAAAAAAAAAAEAAACAgIAKAAAAACgAAAAoAAAAZAAAAGQAAAAAAAAAzMzMAAAAAABQAAAAUAAAAGQAAABkAAAAAAAAABcAAAAUAAAAAAAAAAAAAAD/fwAA/38AAAAAAAAJAAAABAAAAAAAAAAMAAAAEAAAAAAAAAAAAAAAAAAAAAAAAAAeAAAAaAAAAAAAAAAAAAAAAAAAAAAAAAAAAAAAECcAABAnAAAAAAAAAAAAAAAAAAAAAAAAAAAAAAAAAAAAAAAAAAAAABQAAAAAAAAAwMD/AAAAAABkAAAAMgAAAAAAAABkAAAAAAAAAH9/fwAKAAAAHwAAAFQAAABJ1kkA////AQAAAAAAAAAAAAAAAAAAAAAAAAAAAAAAAAAAAAAAAAAAHH0cAH9/fwCAgIADzMzMAMDA/wB/f38AAAAAAAAAAAAAAAAAAAAAAAAAAAAhAAAAGAAAABQAAAC1IAAAeCIAAHkiAAA2JAAAEAAAACYAAAAIAAAA//////////8="/>
+                <pr:smNativeData xmlns:pr="smNativeData" val="SMDATA_13_IrKAXRMAAAAlAAAAZAAAAA8BAAAAkAAAAEgAAACQAAAASAAAAAAAAAAAAAAAAAAAAAEAAABQAAAAAAAAAAAA4D8AAAAAAADgPwAAAAAAAOA/AAAAAAAA4D8AAAAAAADgPwAAAAAAAOA/AAAAAAAA4D8AAAAAAADgPwAAAAAAAOA/AAAAAAAA4D8CAAAAjAAAAAEAAAAAAAAASdZJAP///wgAAAAAAAAAAAAAAAAAAAAAAAAAAAAAAAAAAAAAZAAAAAEAAABAAAAAAAAAAAAAAAAAAAAAAAAAAAAAAAAAAAAAAAAAAAAAAAAAAAAAAAAAAAAAAAAAAAAAAAAAAAAAAAAAAAAAAAAAAAAAAAAAAAAAAAAAAAAAAAAAAAAAFAAAADwAAAABAAAAAAAAABx9HAAoAAAAAQAAAAIAAAAAAAAAAAAAAAAAAAAAAAAAZAAAAGQAAAAAAAAAZAAAAGQAAAAVAAAAYAAAAAAAAAAAAAAADwAAACADAAAAAAAAAAAAAAEAAACgMgAAAAAAAAAAAAABAAAAf39/AAEAAABkAAAAAAAAABQAAABAHwAAAAAAACYAAAAAAAAAwOD//wAAAAAmAAAAZAAAABYAAABMAAAAAAAAAAAAAAAEAAAAAAAAAAEAAACAgIAKAAAAACgAAAAoAAAAZAAAAGQAAAAAAAAAzMzMAAAAAABQAAAAUAAAAGQAAABkAAAAAAAAABcAAAAUAAAAAAAAAAAAAAD/fwAA/38AAAAAAAAJAAAABAAAAAAAAAAMAAAAEAAAAAAAAAAAAAAAAAAAAAAAAAAeAAAAaAAAAAAAAAAAAAAAAAAAAAAAAAAAAAAAECcAABAnAAAAAAAAAAAAAAAAAAAAAAAAAAAAAAAAAAAAAAAAAAAAABQAAAAAAAAAwMD/AAAAAABkAAAAMgAAAAAAAABkAAAAAAAAAH9/fwAKAAAAHwAAAFQAAABJ1kkA////AQAAAAAAAAAAAAAAAAAAAAAAAAAAAAAAAAAAAAAAAAAAHH0cAH9/fwCAgIADzMzMAMDA/wB/f38AAAAAAAAAAAAAAAAAAAAAAAAAAAAhAAAAGAAAABQAAAC1IAAAeCIAAHkiAAA2JAAAEAAAACYAAAAIAAAA//////////8="/>
               </a:ext>
             </a:extLst>
           </p:cNvSpPr>
@@ -13333,7 +13347,7 @@
           <p:cNvSpPr>
             <a:extLst>
               <a:ext uri="smNativeData">
-                <pr:smNativeData xmlns:pr="smNativeData" val="SMDATA_13_BbpsXRMAAAAlAAAAyAAAAA8BAAAAkAAAAEgAAACQAAAASAAAAAAAAAAAAAAAAAAAAAEAAABQAAAAAIIphXg83z8IPYQeQg/RPwAAAAAAAOA/AAAAAAAA4D8AAAAAAADgPwAAAAAAAOA/AAAAAAAA4D8AAAAAAADgPwAAAAAAAOA/AAAAAAAA4D8CAAAAjAAAAAEAAAAAAAAAHH0cAP///wgAAAAAAAAAAAAAAAAAAAAAAAAAAAAAAAAAAAAAZAAAAAEAAABAAAAAAAAAAAAAAAAAAAAAAAAAAAAAAAAAAAAAAAAAAAAAAAAAAAAAAAAAAAAAAAAAAAAAAAAAAAAAAAAAAAAAAAAAAAAAAAAAAAAAAAAAAAAAAAAAAAAAFAAAADwAAAAAAAAAAAAAAAAAAAkAAAAAAQAAAAAAAAAAAAAAAAAAAAAAAAAAAAAAZAAAAGQAAAAAAAAAZAAAAGQAAAAVAAAAYAAAAAAAAAAAAAAADwAAACADAAAAAAAAAAAAAAEAAACgMgAAAAAAAAAAAAABAAAAf39/AAEAAABkAAAAAAAAABQAAABAHwAAAAAAACYAAAAAAAAAwOD//wAAAAAmAAAAZAAAABYAAABMAAAAAAAAAAAAAAAEAAAAAAAAAAEAAACAgIAKAAAAACgAAAAoAAAAZAAAAGQAAAAAAAAAzMzMAAAAAABQAAAAUAAAAGQAAABkAAAAAAAAABcAAAAUAAAAAAAAAAAAAAD/fwAA/38AAAAAAAAJAAAABAAAAAAAAAAMAAAAEAAAAAAAAAAAAAAAAAAAAAAAAAAeAAAAaAAAAAAAAAAAAAAAAAAAAAAAAAAAAAAAECcAABAnAAAAAAAAAAAAAAAAAAAAAAAAAAAAAAAAAAAAAAAAAAAAABQAAAAAAAAAwMD/AAAAAABkAAAAMgAAAAAAAABkAAAAAAAAAH9/fwAKAAAAHwAAAFQAAAAcfRwA////AQAAAAAAAAAAAAAAAAAAAAAAAAAAAAAAAAAAAAAAAAAAAAAAAn9/fwCAgIADzMzMAMDA/wB/f38AAAAAAAAAAAAAAAAAAAAAAAAAAAAhAAAAGAAAABQAAADjIQAA1iIAABgkAAAGJAAAEAAAACYAAAAIAAAA//////////8="/>
+                <pr:smNativeData xmlns:pr="smNativeData" val="SMDATA_13_IrKAXRMAAAAlAAAAyAAAAA8BAAAAkAAAAEgAAACQAAAASAAAAAAAAAAAAAAAAAAAAAEAAABQAAAAAIIphXg83z8IPYQeQg/RPwAAAAAAAOA/AAAAAAAA4D8AAAAAAADgPwAAAAAAAOA/AAAAAAAA4D8AAAAAAADgPwAAAAAAAOA/AAAAAAAA4D8CAAAAjAAAAAEAAAAAAAAAHH0cAP///wgAAAAAAAAAAAAAAAAAAAAAAAAAAAAAAAAAAAAAZAAAAAEAAABAAAAAAAAAAAAAAAAAAAAAAAAAAAAAAAAAAAAAAAAAAAAAAAAAAAAAAAAAAAAAAAAAAAAAAAAAAAAAAAAAAAAAAAAAAAAAAAAAAAAAAAAAAAAAAAAAAAAAFAAAADwAAAAAAAAAAAAAAAAAAAkAAAAAAQAAAAAAAAAAAAAAAAAAAAAAAAAAAAAAZAAAAGQAAAAAAAAAZAAAAGQAAAAVAAAAYAAAAAAAAAAAAAAADwAAACADAAAAAAAAAAAAAAEAAACgMgAAAAAAAAAAAAABAAAAf39/AAEAAABkAAAAAAAAABQAAABAHwAAAAAAACYAAAAAAAAAwOD//wAAAAAmAAAAZAAAABYAAABMAAAAAAAAAAAAAAAEAAAAAAAAAAEAAACAgIAKAAAAACgAAAAoAAAAZAAAAGQAAAAAAAAAzMzMAAAAAABQAAAAUAAAAGQAAABkAAAAAAAAABcAAAAUAAAAAAAAAAAAAAD/fwAA/38AAAAAAAAJAAAABAAAAAAAAAAMAAAAEAAAAAAAAAAAAAAAAAAAAAAAAAAeAAAAaAAAAAAAAAAAAAAAAAAAAAAAAAAAAAAAECcAABAnAAAAAAAAAAAAAAAAAAAAAAAAAAAAAAAAAAAAAAAAAAAAABQAAAAAAAAAwMD/AAAAAABkAAAAMgAAAAAAAABkAAAAAAAAAH9/fwAKAAAAHwAAAFQAAAAcfRwA////AQAAAAAAAAAAAAAAAAAAAAAAAAAAAAAAAAAAAAAAAAAAAAAAAn9/fwCAgIADzMzMAMDA/wB/f38AAAAAAAAAAAAAAAAAAAAAAAAAAAAhAAAAGAAAABQAAADjIQAA1iIAABgkAAAGJAAAEAAAACYAAAAIAAAA//////////8="/>
               </a:ext>
             </a:extLst>
           </p:cNvSpPr>
@@ -13365,7 +13379,7 @@
           <p:cNvSpPr txBox="1">
             <a:extLst>
               <a:ext uri="smNativeData">
-                <pr:smNativeData xmlns:pr="smNativeData" val="SMDATA_13_BbpsXRMAAAAlAAAAEgAAAE8BAAAAkAAAAEgAAACQAAAASAAAAAAAAAAAAAAAAAAAAAEAAABQAAAAAAAAAAAA4D8AAAAAAADgPwAAAAAAAOA/AAAAAAAA4D8AAAAAAADgPwAAAAAAAOA/AAAAAAAA4D8AAAAAAADgPwAAAAAAAOA/AAAAAAAA4D8CAAAAjAAAAAAAAAAAAAAAu+DjDP///wgAAAAAAAAAAAAAAAAAAAAAAAAAAAAAAAAAAAAAZAAAAAEAAABAAAAAAAAAAAAAAAAAAAAAAAAAAAAAAAAAAAAAAAAAAAAAAAAAAAAAAAAAAAAAAAAAAAAAAAAAAAAAAAAAAAAAAAAAAAAAAAAAAAAAAAAAAAAAAAAAAAAAFAAAADwAAAAAAAAAAAAAAAAAAAkUAAAAAQAAABQAAAAUAAAAFAAAAAEAAAAAAAAAZAAAAGQAAAAAAAAAZAAAAGQAAAAVAAAAYAAAAAAAAAAAAAAADwAAACADAAAAAAAAAAAAAAEAAACgMgAAVgcAAKr4//8BAAAAf39/AAEAAABkAAAAAAAAABQAAABAHwAAAAAAACYAAAAAAAAAwOD//wAAAAAmAAAAZAAAABYAAABMAAAAAAAAAAAAAAAEAAAAAAAAAAEAAACAgIAKAAAAACgAAAAoAAAAZAAAAGQAAAAAAAAAzMzMAAAAAABQAAAAUAAAAGQAAABkAAAAAAAAABcAAAAUAAAAAAAAANwIAAD/fwAA/38AAAAAAAAJAAAABAAAAAAAAAAMAAAAEAAAAAAAAAAAAAAAAAAAAAAAAAAeAAAAaAAAAAAAAAAAAAAAAAAAAAAAAAAAAAAAECcAABAnAAAAAAAAAAAAAAAAAAAAAAAAAAAAAAAAAAAAAAAAAAAAABQAAAAAAAAAwMD/AAAAAABkAAAAMgAAAAAAAABkAAAAAAAAAH9/fwAKAAAAHwAAAFQAAAC74OMF////AQAAAAAAAAAAAAAAAAAAAAAAAAAAAAAAAAAAAAAAAAAAAAAAAn9/fwCAgIADzMzMAMDA/wB/f38AAAAAAAAAAAAAAAAAAAAAAAAAAAAhAAAAGAAAABQAAAADJAAASyIAAN8sAACLJAAAECAAACYAAAAIAAAA//////////8="/>
+                <pr:smNativeData xmlns:pr="smNativeData" val="SMDATA_13_IrKAXRMAAAAlAAAAEgAAAE8BAAAAkAAAAEgAAACQAAAASAAAAAAAAAAAAAAAAAAAAAEAAABQAAAAAAAAAAAA4D8AAAAAAADgPwAAAAAAAOA/AAAAAAAA4D8AAAAAAADgPwAAAAAAAOA/AAAAAAAA4D8AAAAAAADgPwAAAAAAAOA/AAAAAAAA4D8CAAAAjAAAAAAAAAAAAAAAu+DjDP///wgAAAAAAAAAAAAAAAAAAAAAAAAAAAAAAAAAAAAAZAAAAAEAAABAAAAAAAAAAAAAAAAAAAAAAAAAAAAAAAAAAAAAAAAAAAAAAAAAAAAAAAAAAAAAAAAAAAAAAAAAAAAAAAAAAAAAAAAAAAAAAAAAAAAAAAAAAAAAAAAAAAAAFAAAADwAAAAAAAAAAAAAAAAAAAkUAAAAAQAAABQAAAAUAAAAFAAAAAEAAAAAAAAAZAAAAGQAAAAAAAAAZAAAAGQAAAAVAAAAYAAAAAAAAAAAAAAADwAAACADAAAAAAAAAAAAAAEAAACgMgAAVgcAAKr4//8BAAAAf39/AAEAAABkAAAAAAAAABQAAABAHwAAAAAAACYAAAAAAAAAwOD//wAAAAAmAAAAZAAAABYAAABMAAAAAAAAAAAAAAAEAAAAAAAAAAEAAACAgIAKAAAAACgAAAAoAAAAZAAAAGQAAAAAAAAAzMzMAAAAAABQAAAAUAAAAGQAAABkAAAAAAAAABcAAAAUAAAAAAAAANwIAAD/fwAA/38AAAAAAAAJAAAABAAAAAAAAAAMAAAAEAAAAAAAAAAAAAAAAAAAAAAAAAAeAAAAaAAAAAAAAAAAAAAAAAAAAAAAAAAAAAAAECcAABAnAAAAAAAAAAAAAAAAAAAAAAAAAAAAAAAAAAAAAAAAAAAAABQAAAAAAAAAwMD/AAAAAABkAAAAMgAAAAAAAABkAAAAAAAAAH9/fwAKAAAAHwAAAFQAAAC74OMF////AQAAAAAAAAAAAAAAAAAAAAAAAAAAAAAAAAAAAAAAAAAAAAAAAn9/fwCAgIADzMzMAMDA/wB/f38AAAAAAAAAAAAAAAAAAAAAAAAAAAAhAAAAGAAAABQAAAADJAAASyIAAN8sAACLJAAAECAAACYAAAAIAAAA//////////8="/>
               </a:ext>
             </a:extLst>
           </p:cNvSpPr>
@@ -13411,7 +13425,7 @@
           <p:cNvSpPr>
             <a:extLst>
               <a:ext uri="smNativeData">
-                <pr:smNativeData xmlns:pr="smNativeData" val="SMDATA_13_BbpsXRMAAAAlAAAAZAAAAA8BAAAAkAAAAEgAAACQAAAASAAAAAAAAAAAAAAAAAAAAAEAAABQAAAAAAAAAAAA4D8AAAAAAADgPwAAAAAAAOA/AAAAAAAA4D8AAAAAAADgPwAAAAAAAOA/AAAAAAAA4D8AAAAAAADgPwAAAAAAAOA/AAAAAAAA4D8CAAAAjAAAAAEAAAAAAAAASdZJAP///wgAAAAAAAAAAAAAAAAAAAAAAAAAAAAAAAAAAAAAZAAAAAEAAABAAAAAAAAAAAAAAAAAAAAAAAAAAAAAAAAAAAAAAAAAAAAAAAAAAAAAAAAAAAAAAAAAAAAAAAAAAAAAAAAAAAAAAAAAAAAAAAAAAAAAAAAAAAAAAAAAAAAAFAAAADwAAAABAAAAAAAAABx9HAAoAAAAAQAAAAIAAAAAAAAAAAAAAAAAAAAAAAAAZAAAAGQAAAAAAAAAZAAAAGQAAAAVAAAAYAAAAAAAAAAAAAAADwAAACADAAAAAAAAAAAAAAEAAACgMgAAAAAAAAAAAAABAAAAf39/AAEAAABkAAAAAAAAABQAAABAHwAAAAAAACYAAAAAAAAAwOD//wAAAAAmAAAAZAAAABYAAABMAAAAAAAAAAAAAAAEAAAAAAAAAAEAAACAgIAKAAAAACgAAAAoAAAAZAAAAGQAAAAAAAAAzMzMAAAAAABQAAAAUAAAAGQAAABkAAAAAAAAABcAAAAUAAAAAAAAAAAAAAD/fwAA/38AAAAAAAAJAAAABAAAAAAAAAAMAAAAEAAAAAAAAAAAAAAAAAAAAAAAAAAeAAAAaAAAAAAAAAAAAAAAAAAAAAAAAAAAAAAAECcAABAnAAAAAAAAAAAAAAAAAAAAAAAAAAAAAAAAAAAAAAAAAAAAABQAAAAAAAAAwMD/AAAAAABkAAAAMgAAAAAAAABkAAAAAAAAAH9/fwAKAAAAHwAAAFQAAABJ1kkA////AQAAAAAAAAAAAAAAAAAAAAAAAAAAAAAAAAAAAAAAAAAAHH0cAH9/fwCAgIADzMzMAMDA/wB/f38AAAAAAAAAAAAAAAAAAAAAAAAAAAAhAAAAGAAAABQAAAC1IAAA0CQAAHkiAACOJgAAEAAAACYAAAAIAAAA//////////8="/>
+                <pr:smNativeData xmlns:pr="smNativeData" val="SMDATA_13_IrKAXRMAAAAlAAAAZAAAAA8BAAAAkAAAAEgAAACQAAAASAAAAAAAAAAAAAAAAAAAAAEAAABQAAAAAAAAAAAA4D8AAAAAAADgPwAAAAAAAOA/AAAAAAAA4D8AAAAAAADgPwAAAAAAAOA/AAAAAAAA4D8AAAAAAADgPwAAAAAAAOA/AAAAAAAA4D8CAAAAjAAAAAEAAAAAAAAASdZJAP///wgAAAAAAAAAAAAAAAAAAAAAAAAAAAAAAAAAAAAAZAAAAAEAAABAAAAAAAAAAAAAAAAAAAAAAAAAAAAAAAAAAAAAAAAAAAAAAAAAAAAAAAAAAAAAAAAAAAAAAAAAAAAAAAAAAAAAAAAAAAAAAAAAAAAAAAAAAAAAAAAAAAAAFAAAADwAAAABAAAAAAAAABx9HAAoAAAAAQAAAAIAAAAAAAAAAAAAAAAAAAAAAAAAZAAAAGQAAAAAAAAAZAAAAGQAAAAVAAAAYAAAAAAAAAAAAAAADwAAACADAAAAAAAAAAAAAAEAAACgMgAAAAAAAAAAAAABAAAAf39/AAEAAABkAAAAAAAAABQAAABAHwAAAAAAACYAAAAAAAAAwOD//wAAAAAmAAAAZAAAABYAAABMAAAAAAAAAAAAAAAEAAAAAAAAAAEAAACAgIAKAAAAACgAAAAoAAAAZAAAAGQAAAAAAAAAzMzMAAAAAABQAAAAUAAAAGQAAABkAAAAAAAAABcAAAAUAAAAAAAAAAAAAAD/fwAA/38AAAAAAAAJAAAABAAAAAAAAAAMAAAAEAAAAAAAAAAAAAAAAAAAAAAAAAAeAAAAaAAAAAAAAAAAAAAAAAAAAAAAAAAAAAAAECcAABAnAAAAAAAAAAAAAAAAAAAAAAAAAAAAAAAAAAAAAAAAAAAAABQAAAAAAAAAwMD/AAAAAABkAAAAMgAAAAAAAABkAAAAAAAAAH9/fwAKAAAAHwAAAFQAAABJ1kkA////AQAAAAAAAAAAAAAAAAAAAAAAAAAAAAAAAAAAAAAAAAAAHH0cAH9/fwCAgIADzMzMAMDA/wB/f38AAAAAAAAAAAAAAAAAAAAAAAAAAAAhAAAAGAAAABQAAAC1IAAA0CQAAHkiAACOJgAAEAAAACYAAAAIAAAA//////////8="/>
               </a:ext>
             </a:extLst>
           </p:cNvSpPr>
@@ -13445,7 +13459,7 @@
           <p:cNvSpPr>
             <a:extLst>
               <a:ext uri="smNativeData">
-                <pr:smNativeData xmlns:pr="smNativeData" val="SMDATA_13_BbpsXRMAAAAlAAAAyAAAAA8BAAAAkAAAAEgAAACQAAAASAAAAAAAAAAAAAAAAAAAAAEAAABQAAAAAIIphXg83z8IPYQeQg/RPwAAAAAAAOA/AAAAAAAA4D8AAAAAAADgPwAAAAAAAOA/AAAAAAAA4D8AAAAAAADgPwAAAAAAAOA/AAAAAAAA4D8CAAAAjAAAAAEAAAAAAAAAHH0cAP///wgAAAAAAAAAAAAAAAAAAAAAAAAAAAAAAAAAAAAAZAAAAAEAAABAAAAAAAAAAAAAAAAAAAAAAAAAAAAAAAAAAAAAAAAAAAAAAAAAAAAAAAAAAAAAAAAAAAAAAAAAAAAAAAAAAAAAAAAAAAAAAAAAAAAAAAAAAAAAAAAAAAAAFAAAADwAAAAAAAAAAAAAAAAAAAkAAAAAAQAAAAAAAAAAAAAAAAAAAAAAAAAAAAAAZAAAAGQAAAAAAAAAZAAAAGQAAAAVAAAAYAAAAAAAAAAAAAAADwAAACADAAAAAAAAAAAAAAEAAACgMgAAAAAAAAAAAAABAAAAf39/AAEAAABkAAAAAAAAABQAAABAHwAAAAAAACYAAAAAAAAAwOD//wAAAAAmAAAAZAAAABYAAABMAAAAAAAAAAAAAAAEAAAAAAAAAAEAAACAgIAKAAAAACgAAAAoAAAAZAAAAGQAAAAAAAAAzMzMAAAAAABQAAAAUAAAAGQAAABkAAAAAAAAABcAAAAUAAAAAAAAAAAAAAD/fwAA/38AAAAAAAAJAAAABAAAAAAAAAAMAAAAEAAAAAAAAAAAAAAAAAAAAAAAAAAeAAAAaAAAAAAAAAAAAAAAAAAAAAAAAAAAAAAAECcAABAnAAAAAAAAAAAAAAAAAAAAAAAAAAAAAAAAAAAAAAAAAAAAABQAAAAAAAAAwMD/AAAAAABkAAAAMgAAAAAAAABkAAAAAAAAAH9/fwAKAAAAHwAAAFQAAAAcfRwA////AQAAAAAAAAAAAAAAAAAAAAAAAAAAAAAAAAAAAAAAAAAAAAAAAn9/fwCAgIADzMzMAMDA/wB/f38AAAAAAAAAAAAAAAAAAAAAAAAAAAAhAAAAGAAAABQAAADjIQAALiUAABgkAABeJgAAEAAAACYAAAAIAAAA//////////8="/>
+                <pr:smNativeData xmlns:pr="smNativeData" val="SMDATA_13_IrKAXRMAAAAlAAAAyAAAAA8BAAAAkAAAAEgAAACQAAAASAAAAAAAAAAAAAAAAAAAAAEAAABQAAAAAIIphXg83z8IPYQeQg/RPwAAAAAAAOA/AAAAAAAA4D8AAAAAAADgPwAAAAAAAOA/AAAAAAAA4D8AAAAAAADgPwAAAAAAAOA/AAAAAAAA4D8CAAAAjAAAAAEAAAAAAAAAHH0cAP///wgAAAAAAAAAAAAAAAAAAAAAAAAAAAAAAAAAAAAAZAAAAAEAAABAAAAAAAAAAAAAAAAAAAAAAAAAAAAAAAAAAAAAAAAAAAAAAAAAAAAAAAAAAAAAAAAAAAAAAAAAAAAAAAAAAAAAAAAAAAAAAAAAAAAAAAAAAAAAAAAAAAAAFAAAADwAAAAAAAAAAAAAAAAAAAkAAAAAAQAAAAAAAAAAAAAAAAAAAAAAAAAAAAAAZAAAAGQAAAAAAAAAZAAAAGQAAAAVAAAAYAAAAAAAAAAAAAAADwAAACADAAAAAAAAAAAAAAEAAACgMgAAAAAAAAAAAAABAAAAf39/AAEAAABkAAAAAAAAABQAAABAHwAAAAAAACYAAAAAAAAAwOD//wAAAAAmAAAAZAAAABYAAABMAAAAAAAAAAAAAAAEAAAAAAAAAAEAAACAgIAKAAAAACgAAAAoAAAAZAAAAGQAAAAAAAAAzMzMAAAAAABQAAAAUAAAAGQAAABkAAAAAAAAABcAAAAUAAAAAAAAAAAAAAD/fwAA/38AAAAAAAAJAAAABAAAAAAAAAAMAAAAEAAAAAAAAAAAAAAAAAAAAAAAAAAeAAAAaAAAAAAAAAAAAAAAAAAAAAAAAAAAAAAAECcAABAnAAAAAAAAAAAAAAAAAAAAAAAAAAAAAAAAAAAAAAAAAAAAABQAAAAAAAAAwMD/AAAAAABkAAAAMgAAAAAAAABkAAAAAAAAAH9/fwAKAAAAHwAAAFQAAAAcfRwA////AQAAAAAAAAAAAAAAAAAAAAAAAAAAAAAAAAAAAAAAAAAAAAAAAn9/fwCAgIADzMzMAMDA/wB/f38AAAAAAAAAAAAAAAAAAAAAAAAAAAAhAAAAGAAAABQAAADjIQAALiUAABgkAABeJgAAEAAAACYAAAAIAAAA//////////8="/>
               </a:ext>
             </a:extLst>
           </p:cNvSpPr>
@@ -13477,7 +13491,7 @@
           <p:cNvSpPr txBox="1">
             <a:extLst>
               <a:ext uri="smNativeData">
-                <pr:smNativeData xmlns:pr="smNativeData" val="SMDATA_13_BbpsXRMAAAAlAAAAEgAAAE8BAAAAkAAAAEgAAACQAAAASAAAAAAAAAAAAAAAAAAAAAEAAABQAAAAAAAAAAAA4D8AAAAAAADgPwAAAAAAAOA/AAAAAAAA4D8AAAAAAADgPwAAAAAAAOA/AAAAAAAA4D8AAAAAAADgPwAAAAAAAOA/AAAAAAAA4D8CAAAAjAAAAAAAAAAAAAAAu+DjDP///wgAAAAAAAAAAAAAAAAAAAAAAAAAAAAAAAAAAAAAZAAAAAEAAABAAAAAAAAAAAAAAAAAAAAAAAAAAAAAAAAAAAAAAAAAAAAAAAAAAAAAAAAAAAAAAAAAAAAAAAAAAAAAAAAAAAAAAAAAAAAAAAAAAAAAAAAAAAAAAAAAAAAAFAAAADwAAAAAAAAAAAAAAAAAAAkUAAAAAQAAABQAAAAUAAAAFAAAAAEAAAAAAAAAZAAAAGQAAAAAAAAAZAAAAGQAAAAVAAAAYAAAAAAAAAAAAAAADwAAACADAAAAAAAAAAAAAAEAAACgMgAAVgcAAKr4//8BAAAAf39/AAEAAABkAAAAAAAAABQAAABAHwAAAAAAACYAAAAAAAAAwOD//wAAAAAmAAAAZAAAABYAAABMAAAAAAAAAAAAAAAEAAAAAAAAAAEAAACAgIAKAAAAACgAAAAoAAAAZAAAAGQAAAAAAAAAzMzMAAAAAABQAAAAUAAAAGQAAABkAAAAAAAAABcAAAAUAAAAAAAAANwIAAD/fwAA/38AAAAAAAAJAAAABAAAAAAAAAAMAAAAEAAAAAAAAAAAAAAAAAAAAAAAAAAeAAAAaAAAAAAAAAAAAAAAAAAAAAAAAAAAAAAAECcAABAnAAAAAAAAAAAAAAAAAAAAAAAAAAAAAAAAAAAAAAAAAAAAABQAAAAAAAAAwMD/AAAAAABkAAAAMgAAAAAAAABkAAAAAAAAAH9/fwAKAAAAHwAAAFQAAAC74OMF////AQAAAAAAAAAAAAAAAAAAAAAAAAAAAAAAAAAAAAAAAAAAAAAAAn9/fwCAgIADzMzMAMDA/wB/f38AAAAAAAAAAAAAAAAAAAAAAAAAAAAhAAAAGAAAABQAAAADJAAAoyQAAN8sAADjJgAAECAAACYAAAAIAAAA//////////8="/>
+                <pr:smNativeData xmlns:pr="smNativeData" val="SMDATA_13_IrKAXRMAAAAlAAAAEgAAAE8BAAAAkAAAAEgAAACQAAAASAAAAAAAAAAAAAAAAAAAAAEAAABQAAAAAAAAAAAA4D8AAAAAAADgPwAAAAAAAOA/AAAAAAAA4D8AAAAAAADgPwAAAAAAAOA/AAAAAAAA4D8AAAAAAADgPwAAAAAAAOA/AAAAAAAA4D8CAAAAjAAAAAAAAAAAAAAAu+DjDP///wgAAAAAAAAAAAAAAAAAAAAAAAAAAAAAAAAAAAAAZAAAAAEAAABAAAAAAAAAAAAAAAAAAAAAAAAAAAAAAAAAAAAAAAAAAAAAAAAAAAAAAAAAAAAAAAAAAAAAAAAAAAAAAAAAAAAAAAAAAAAAAAAAAAAAAAAAAAAAAAAAAAAAFAAAADwAAAAAAAAAAAAAAAAAAAkUAAAAAQAAABQAAAAUAAAAFAAAAAEAAAAAAAAAZAAAAGQAAAAAAAAAZAAAAGQAAAAVAAAAYAAAAAAAAAAAAAAADwAAACADAAAAAAAAAAAAAAEAAACgMgAAVgcAAKr4//8BAAAAf39/AAEAAABkAAAAAAAAABQAAABAHwAAAAAAACYAAAAAAAAAwOD//wAAAAAmAAAAZAAAABYAAABMAAAAAAAAAAAAAAAEAAAAAAAAAAEAAACAgIAKAAAAACgAAAAoAAAAZAAAAGQAAAAAAAAAzMzMAAAAAABQAAAAUAAAAGQAAABkAAAAAAAAABcAAAAUAAAAAAAAANwIAAD/fwAA/38AAAAAAAAJAAAABAAAAAAAAAAMAAAAEAAAAAAAAAAAAAAAAAAAAAAAAAAeAAAAaAAAAAAAAAAAAAAAAAAAAAAAAAAAAAAAECcAABAnAAAAAAAAAAAAAAAAAAAAAAAAAAAAAAAAAAAAAAAAAAAAABQAAAAAAAAAwMD/AAAAAABkAAAAMgAAAAAAAABkAAAAAAAAAH9/fwAKAAAAHwAAAFQAAAC74OMF////AQAAAAAAAAAAAAAAAAAAAAAAAAAAAAAAAAAAAAAAAAAAAAAAAn9/fwCAgIADzMzMAMDA/wB/f38AAAAAAAAAAAAAAAAAAAAAAAAAAAAhAAAAGAAAABQAAAADJAAAoyQAAN8sAADjJgAAECAAACYAAAAIAAAA//////////8="/>
               </a:ext>
             </a:extLst>
           </p:cNvSpPr>
@@ -13523,14 +13537,14 @@
           <p:cNvSpPr txBox="1">
             <a:extLst>
               <a:ext uri="smNativeData">
-                <pr:smNativeData xmlns:pr="smNativeData" val="SMDATA_13_BbpsXRMAAAAlAAAAEgAAAE8BAAAAkAAAAEgAAACQAAAASAAAAAAAAAAAAAAAAAAAAAEAAABQAAAAAAAAAAAA4D8AAAAAAADgPwAAAAAAAOA/AAAAAAAA4D8AAAAAAADgPwAAAAAAAOA/AAAAAAAA4D8AAAAAAADgPwAAAAAAAOA/AAAAAAAA4D8CAAAAjAAAAAAAAAAAAAAAu+DjDP///wgAAAAAAAAAAAAAAAAAAAAAAAAAAAAAAAAAAAAAZAAAAAEAAABAAAAAAAAAAAAAAAAAAAAAAAAAAAAAAAAAAAAAAAAAAAAAAAAAAAAAAAAAAAAAAAAAAAAAAAAAAAAAAAAAAAAAAAAAAAAAAAAAAAAAAAAAAAAAAAAAAAAAFAAAADwAAAAAAAAAAAAAAAAAAAkUAAAAAQAAABQAAAAUAAAAFAAAAAEAAAAAAAAAZAAAAGQAAAAAAAAAZAAAAGQAAAAVAAAAYAAAAAAAAAAAAAAADwAAACADAAAAAAAAAAAAAAEAAACgMgAAVgcAAKr4//8BAAAAf39/AAEAAABkAAAAAAAAABQAAABAHwAAAAAAACYAAAAAAAAAwOD//wAAAAAmAAAAZAAAABYAAABMAAAAAAAAAAAAAAAEAAAAAAAAAAEAAACAgIAKAAAAACgAAAAoAAAAZAAAAGQAAAAAAAAAzMzMAAAAAABQAAAAUAAAAGQAAABkAAAAAAAAABcAAAAUAAAAAAAAANwIAAD/fwAA/38AAAAAAAAJAAAABAAAAAAAAAAMAAAAEAAAAAAAAAAAAAAAAAAAAAAAAAAeAAAAaAAAAAAAAAAAAAAAAAAAAAAAAAAAAAAAECcAABAnAAAAAAAAAAAAAAAAAAAAAAAAAAAAAAAAAAAAAAAAAAAAABQAAAAAAAAAwMD/AAAAAABkAAAAMgAAAAAAAABkAAAAAAAAAH9/fwAKAAAAHwAAAFQAAAC74OMF////AQAAAAAAAAAAAAAAAAAAAAAAAAAAAAAAAAAAAAAAAAAAAAAAAn9/fwCAgIADzMzMAMDA/wB/f38AAAAAAAAAAAAAAAAAAAAAAAAAAAAhAAAAGAAAABQAAACNBwAANh0AAB0LAAASJgAAECAAACYAAAAIAAAA//////////8="/>
-              </a:ext>
-            </a:extLst>
-          </p:cNvSpPr>
-          <p:nvPr/>
-        </p:nvSpPr>
-        <p:spPr>
-          <a:xfrm rot="16216754">
+                <pr:smNativeData xmlns:pr="smNativeData" val="SMDATA_13_IrKAXRMAAAAlAAAAEgAAAE8BAAAAkAAAAEgAAACQAAAASAAAAAAAAAAAAAAAAAAAAAEAAABQAAAAAAAAAAAA4D8AAAAAAADgPwAAAAAAAOA/AAAAAAAA4D8AAAAAAADgPwAAAAAAAOA/AAAAAAAA4D8AAAAAAADgPwAAAAAAAOA/AAAAAAAA4D8CAAAAjAAAAAAAAAAAAAAAu+DjDP///wgAAAAAAAAAAAAAAAAAAAAAAAAAAAAAAAAAAAAAZAAAAAEAAABAAAAAAAAAAAAAAAAAAAAAAAAAAAAAAAAAAAAAAAAAAAAAAAAAAAAAAAAAAAAAAAAAAAAAAAAAAAAAAAAAAAAAAAAAAAAAAAAAAAAAAAAAAAAAAAAAAAAAFAAAADwAAAAAAAAAAAAAAAAAAAkUAAAAAQAAABQAAAAUAAAAFAAAAAEAAAAAAAAAZAAAAGQAAAAAAAAAZAAAAGQAAAAVAAAAYAAAAAAAAAAAAAAADwAAACADAAAAAAAAAAAAAAEAAACgMgAAVgcAAKr4//8BAAAAf39/AAEAAABkAAAAAAAAABQAAABAHwAAAAAAACYAAAAAAAAAwOD//wAAAAAmAAAAZAAAABYAAABMAAAAAAAAAAAAAAAEAAAAAAAAAAEAAACAgIAKAAAAACgAAAAoAAAAZAAAAGQAAAAAAAAAzMzMAAAAAABQAAAAUAAAAGQAAABkAAAAAAAAABcAAAAUAAAAAAAAANwIAAD/fwAA/38AAAAAAAAJAAAABAAAAAAAAAAMAAAAEAAAAAAAAAAAAAAAAAAAAAAAAAAeAAAAaAAAAAAAAAAAAAAAAAAAAAAAAAAAAAAAECcAABAnAAAAAAAAAAAAAAAAAAAAAAAAAAAAAAAAAAAAAAAAAAAAABQAAAAAAAAAwMD/AAAAAABkAAAAMgAAAAAAAABkAAAAAAAAAH9/fwAKAAAAHwAAAFQAAAC74OMF////AQAAAAAAAAAAAAAAAAAAAAAAAAAAAAAAAAAAAAAAAAAAAAAAAn9/fwCAgIADzMzMAMDA/wB/f38AAAAAAAAAAAAAAAAAAAAAAAAAAAAhAAAAGAAAABQAAACNBwAANh0AAB0LAAASJgAAECAAACYAAAAIAAAA//////////8="/>
+              </a:ext>
+            </a:extLst>
+          </p:cNvSpPr>
+          <p:nvPr/>
+        </p:nvSpPr>
+        <p:spPr>
+          <a:xfrm rot="16216752">
             <a:off x="796925" y="5179060"/>
             <a:ext cx="1440180" cy="579120"/>
           </a:xfrm>
@@ -13571,14 +13585,14 @@
           <p:cNvSpPr txBox="1">
             <a:extLst>
               <a:ext uri="smNativeData">
-                <pr:smNativeData xmlns:pr="smNativeData" val="SMDATA_13_BbpsXRMAAAAlAAAAEgAAAE8BAAAAkAAAAEgAAACQAAAASAAAAAAAAAAAAAAAAAAAAAEAAABQAAAAAAAAAAAA4D8AAAAAAADgPwAAAAAAAOA/AAAAAAAA4D8AAAAAAADgPwAAAAAAAOA/AAAAAAAA4D8AAAAAAADgPwAAAAAAAOA/AAAAAAAA4D8CAAAAjAAAAAAAAAAAAAAAu+DjDP///wgAAAAAAAAAAAAAAAAAAAAAAAAAAAAAAAAAAAAAZAAAAAEAAABAAAAAAAAAAAAAAAAAAAAAAAAAAAAAAAAAAAAAAAAAAAAAAAAAAAAAAAAAAAAAAAAAAAAAAAAAAAAAAAAAAAAAAAAAAAAAAAAAAAAAAAAAAAAAAAAAAAAAFAAAADwAAAAAAAAAAAAAAAAAAAkUAAAAAQAAABQAAAAUAAAAFAAAAAEAAAAAAAAAZAAAAGQAAAAAAAAAZAAAAGQAAAAVAAAAYAAAAAAAAAAAAAAADwAAACADAAAAAAAAAAAAAAEAAACgMgAAVgcAAKr4//8BAAAAf39/AAEAAABkAAAAAAAAABQAAABAHwAAAAAAACYAAAAAAAAAwOD//wAAAAAmAAAAZAAAABYAAABMAAAAAAAAAAAAAAAEAAAAAAAAAAEAAACAgIAKAAAAACgAAAAoAAAAZAAAAGQAAAAAAAAAzMzMAAAAAABQAAAAUAAAAGQAAABkAAAAAAAAABcAAAAUAAAAAAAAANwIAAD/fwAA/38AAAAAAAAJAAAABAAAAAAAAAAMAAAAEAAAAAAAAAAAAAAAAAAAAAAAAAAeAAAAaAAAAAAAAAAAAAAAAAAAAAAAAAAAAAAAECcAABAnAAAAAAAAAAAAAAAAAAAAAAAAAAAAAAAAAAAAAAAAAAAAABQAAAAAAAAAwMD/AAAAAABkAAAAMgAAAAAAAABkAAAAAAAAAH9/fwAKAAAAHwAAAFQAAAC74OMF////AQAAAAAAAAAAAAAAAAAAAAAAAAAAAAAAAAAAAAAAAAAAAAAAAn9/fwCAgIADzMzMAMDA/wB/f38AAAAAAAAAAAAAAAAAAAAAAAAAAAAhAAAAGAAAABQAAACnBwAAQxMAADcLAAAfHAAAECAAACYAAAAIAAAA//////////8="/>
-              </a:ext>
-            </a:extLst>
-          </p:cNvSpPr>
-          <p:nvPr/>
-        </p:nvSpPr>
-        <p:spPr>
-          <a:xfrm rot="16171287">
+                <pr:smNativeData xmlns:pr="smNativeData" val="SMDATA_13_IrKAXRMAAAAlAAAAEgAAAE8BAAAAkAAAAEgAAACQAAAASAAAAAAAAAAAAAAAAAAAAAEAAABQAAAAAAAAAAAA4D8AAAAAAADgPwAAAAAAAOA/AAAAAAAA4D8AAAAAAADgPwAAAAAAAOA/AAAAAAAA4D8AAAAAAADgPwAAAAAAAOA/AAAAAAAA4D8CAAAAjAAAAAAAAAAAAAAAu+DjDP///wgAAAAAAAAAAAAAAAAAAAAAAAAAAAAAAAAAAAAAZAAAAAEAAABAAAAAAAAAAAAAAAAAAAAAAAAAAAAAAAAAAAAAAAAAAAAAAAAAAAAAAAAAAAAAAAAAAAAAAAAAAAAAAAAAAAAAAAAAAAAAAAAAAAAAAAAAAAAAAAAAAAAAFAAAADwAAAAAAAAAAAAAAAAAAAkUAAAAAQAAABQAAAAUAAAAFAAAAAEAAAAAAAAAZAAAAGQAAAAAAAAAZAAAAGQAAAAVAAAAYAAAAAAAAAAAAAAADwAAACADAAAAAAAAAAAAAAEAAACgMgAAVgcAAKr4//8BAAAAf39/AAEAAABkAAAAAAAAABQAAABAHwAAAAAAACYAAAAAAAAAwOD//wAAAAAmAAAAZAAAABYAAABMAAAAAAAAAAAAAAAEAAAAAAAAAAEAAACAgIAKAAAAACgAAAAoAAAAZAAAAGQAAAAAAAAAzMzMAAAAAABQAAAAUAAAAGQAAABkAAAAAAAAABcAAAAUAAAAAAAAANwIAAD/fwAA/38AAAAAAAAJAAAABAAAAAAAAAAMAAAAEAAAAAAAAAAAAAAAAAAAAAAAAAAeAAAAaAAAAAAAAAAAAAAAAAAAAAAAAAAAAAAAECcAABAnAAAAAAAAAAAAAAAAAAAAAAAAAAAAAAAAAAAAAAAAAAAAABQAAAAAAAAAwMD/AAAAAABkAAAAMgAAAAAAAABkAAAAAAAAAH9/fwAKAAAAHwAAAFQAAAC74OMF////AQAAAAAAAAAAAAAAAAAAAAAAAAAAAAAAAAAAAAAAAAAAAAAAAn9/fwCAgIADzMzMAMDA/wB/f38AAAAAAAAAAAAAAAAAAAAAAAAAAAAhAAAAGAAAABQAAACnBwAAQxMAADcLAAAfHAAAECAAACYAAAAIAAAA//////////8="/>
+              </a:ext>
+            </a:extLst>
+          </p:cNvSpPr>
+          <p:nvPr/>
+        </p:nvSpPr>
+        <p:spPr>
+          <a:xfrm rot="16171285">
             <a:off x="813435" y="3561715"/>
             <a:ext cx="1440180" cy="579120"/>
           </a:xfrm>
@@ -13619,7 +13633,7 @@
           <p:cNvSpPr>
             <a:extLst>
               <a:ext uri="smNativeData">
-                <pr:smNativeData xmlns:pr="smNativeData" val="SMDATA_13_BbpsXRMAAAAlAAAAZAAAAA8BAAAAkAAAAEgAAACQAAAASAAAAAAAAAAAAAAAAAAAAAEAAABQAAAAAAAAAAAA4D8AAAAAAADgPwAAAAAAAOA/AAAAAAAA4D8AAAAAAADgPwAAAAAAAOA/AAAAAAAA4D8AAAAAAADgPwAAAAAAAOA/AAAAAAAA4D8CAAAAjAAAAAEAAAAAAAAAHh4eAP///wgAAAAAAAAAAAAAAAAAAAAAAAAAAAAAAAAAAAAAZAAAAAEAAABAAAAAAAAAAAAAAAAAAAAAAAAAAAAAAAAAAAAAAAAAAAAAAAAAAAAAAAAAAAAAAAAAAAAAAAAAAAAAAAAAAAAAAAAAAAAAAAAAAAAAAAAAAAAAAAAAAAAAFAAAADwAAAAAAAAAAAAAAAAAAAkAAAAAAQAAAAAAAAAAAAAAAAAAAAAAAAAAAAAAZAAAAGQAAAAAAAAAZAAAAGQAAAAVAAAAYAAAAAAAAAAAAAAADwAAACADAAAAAAAAAAAAAAEAAACgMgAAAAAAAAAAAAABAAAAf39/AAEAAABkAAAAAAAAABQAAABAHwAAAAAAACYAAAAAAAAAwOD//wAAAAAmAAAAZAAAABYAAABMAAAAAAAAAAAAAAAEAAAAAAAAAAEAAACAgIAKAAAAACgAAAAoAAAAZAAAAGQAAAAAAAAAzMzMAAAAAABQAAAAUAAAAGQAAABkAAAAAAAAABcAAAAUAAAAAAAAAAAAAAD/fwAA/38AAAAAAAAJAAAABAAAAHlsZT4MAAAAEAAAAAAAAAAAAAAAAAAAAAAAAAAeAAAAaAAAAAAAAAAAAAAAAAAAAAAAAAAAAAAAECcAABAnAAAAAAAAAAAAAAAAAAAAAAAAAAAAAAAAAAAAAAAAAAAAABQAAAAAAAAAwMD/AAAAAABkAAAAMgAAAAAAAABkAAAAAAAAAH9/fwAKAAAAHwAAAFQAAAAeHh4A////AQAAAAAAAAAAAAAAAAAAAAAAAAAAAAAAAAAAAAAAAAAAAAAAAn9/fwCAgIADzMzMAMDA/wB/f38AAAAAAAAAAAAAAAAAAAAAAAAAAAAhAAAAGAAAABQAAAAAAAAAZQcAAEA4AAC4CAAAEAAAACYAAAAIAAAA//////////8="/>
+                <pr:smNativeData xmlns:pr="smNativeData" val="SMDATA_13_IrKAXRMAAAAlAAAAZAAAAA8BAAAAkAAAAEgAAACQAAAASAAAAAAAAAAAAAAAAAAAAAEAAABQAAAAAAAAAAAA4D8AAAAAAADgPwAAAAAAAOA/AAAAAAAA4D8AAAAAAADgPwAAAAAAAOA/AAAAAAAA4D8AAAAAAADgPwAAAAAAAOA/AAAAAAAA4D8CAAAAjAAAAAEAAAAAAAAAHh4eAP///wgAAAAAAAAAAAAAAAAAAAAAAAAAAAAAAAAAAAAAZAAAAAEAAABAAAAAAAAAAAAAAAAAAAAAAAAAAAAAAAAAAAAAAAAAAAAAAAAAAAAAAAAAAAAAAAAAAAAAAAAAAAAAAAAAAAAAAAAAAAAAAAAAAAAAAAAAAAAAAAAAAAAAFAAAADwAAAAAAAAAAAAAAAAAAAkAAAAAAQAAAAAAAAAAAAAAAAAAAAAAAAAAAAAAZAAAAGQAAAAAAAAAZAAAAGQAAAAVAAAAYAAAAAAAAAAAAAAADwAAACADAAAAAAAAAAAAAAEAAACgMgAAAAAAAAAAAAABAAAAf39/AAEAAABkAAAAAAAAABQAAABAHwAAAAAAACYAAAAAAAAAwOD//wAAAAAmAAAAZAAAABYAAABMAAAAAAAAAAAAAAAEAAAAAAAAAAEAAACAgIAKAAAAACgAAAAoAAAAZAAAAGQAAAAAAAAAzMzMAAAAAABQAAAAUAAAAGQAAABkAAAAAAAAABcAAAAUAAAAAAAAAAAAAAD/fwAA/38AAAAAAAAJAAAABAAAAHlsZT4MAAAAEAAAAAAAAAAAAAAAAAAAAAAAAAAeAAAAaAAAAAAAAAAAAAAAAAAAAAAAAAAAAAAAECcAABAnAAAAAAAAAAAAAAAAAAAAAAAAAAAAAAAAAAAAAAAAAAAAABQAAAAAAAAAwMD/AAAAAABkAAAAMgAAAAAAAABkAAAAAAAAAH9/fwAKAAAAHwAAAFQAAAAeHh4A////AQAAAAAAAAAAAAAAAAAAAAAAAAAAAAAAAAAAAAAAAAAAAAAAAn9/fwCAgIADzMzMAMDA/wB/f38AAAAAAAAAAAAAAAAAAAAAAAAAAAAhAAAAGAAAABQAAAAAAAAAZQcAAEA4AAC4CAAAEAAAACYAAAAIAAAA//////////8="/>
               </a:ext>
             </a:extLst>
           </p:cNvSpPr>
@@ -13688,7 +13702,7 @@
           <p:cNvSpPr>
             <a:extLst>
               <a:ext uri="smNativeData">
-                <pr:smNativeData xmlns:pr="smNativeData" val="SMDATA_13_BbpsXRMAAAAlAAAAZAAAAA8BAAAAkAAAAEgAAACQAAAASAAAAAAAAAABAAAAAAAAAAEAAABQAAAAAAAAAAAA4D8AAAAAAADgPwAAAAAAAOA/AAAAAAAA4D8AAAAAAADgPwAAAAAAAOA/AAAAAAAA4D8AAAAAAADgPwAAAAAAAOA/AAAAAAAA4D8CAAAAjAAAAAAAAAAAAAAAu+DjDP///wgAAAAAAAAAAAAAAAAAAAAAAAAAAAAAAAAAAAAAZAAAAAEAAABAAAAAAAAAAAAAAAAAAAAAAAAAAAAAAAAAAAAAAAAAAAAAAAAAAAAAAAAAAAAAAAAAAAAAAAAAAAAAAAAAAAAAAAAAAAAAAAAAAAAAAAAAAAAAAAAAAAAAFAAAADwAAAAAAAAAAAAAAAAAAAkUAAAAAQAAABQAAAAUAAAAFAAAAAEAAAAAAAAAZAAAAGQAAAAAAAAAZAAAAGQAAAAVAAAAYAAAAAAAAAAAAAAADwAAACADAAAAAAAAAAAAAAEAAACgMgAAVgcAAKr4//8BAAAAf39/AAEAAABkAAAAAAAAABQAAABAHwAAAAAAACYAAAAAAAAAwOD//wAAAAAmAAAAZAAAABYAAABMAAAAAAAAAAAAAAAEAAAAAAAAAAEAAACAgIAKAAAAACgAAAAoAAAAZAAAAGQAAAAAAAAAzMzMAAAAAABQAAAAUAAAAGQAAABkAAAAAAAAABcAAAAUAAAAAAAAAAAAAAD/fwAA/38AAAAAAAAJAAAABAAAAEUXAAAMAAAAEAAAAAAAAAAAAAAAAAAAAAAAAAAeAAAAaAAAAAAAAAAAAAAAAAAAAAAAAAAAAAAAECcAABAnAAAAAAAAAAAAAAAAAAAAAAAAAAAAAAAAAAAAAAAAAAAAABQAAAAAAAAAwMD/AAAAAABkAAAAMgAAAAAAAABkAAAAAAAAAH9/fwAKAAAAHwAAAFQAAAC74OMF////AQAAAAAAAAAAAAAAAAAAAAAAAAAAAAAAAAAAAAAAAAAAAAAAAn9/fwCAgIADzMzMAMDA/wB/f38AAAAAAAAAAAAAAAAAAAAAAAAAAAAhAAAAGAAAABQAAABqBAAAiAMAABY0AAAoBwAAEAAAACYAAAAIAAAA//////////8="/>
+                <pr:smNativeData xmlns:pr="smNativeData" val="SMDATA_13_IrKAXRMAAAAlAAAAZAAAAA8BAAAAkAAAAEgAAACQAAAASAAAAAAAAAABAAAAAAAAAAEAAABQAAAAAAAAAAAA4D8AAAAAAADgPwAAAAAAAOA/AAAAAAAA4D8AAAAAAADgPwAAAAAAAOA/AAAAAAAA4D8AAAAAAADgPwAAAAAAAOA/AAAAAAAA4D8CAAAAjAAAAAAAAAAAAAAAu+DjDP///wgAAAAAAAAAAAAAAAAAAAAAAAAAAAAAAAAAAAAAZAAAAAEAAABAAAAAAAAAAAAAAAAAAAAAAAAAAAAAAAAAAAAAAAAAAAAAAAAAAAAAAAAAAAAAAAAAAAAAAAAAAAAAAAAAAAAAAAAAAAAAAAAAAAAAAAAAAAAAAAAAAAAAFAAAADwAAAAAAAAAAAAAAAAAAAkUAAAAAQAAABQAAAAUAAAAFAAAAAEAAAAAAAAAZAAAAGQAAAAAAAAAZAAAAGQAAAAVAAAAYAAAAAAAAAAAAAAADwAAACADAAAAAAAAAAAAAAEAAACgMgAAVgcAAKr4//8BAAAAf39/AAEAAABkAAAAAAAAABQAAABAHwAAAAAAACYAAAAAAAAAwOD//wAAAAAmAAAAZAAAABYAAABMAAAAAAAAAAAAAAAEAAAAAAAAAAEAAACAgIAKAAAAACgAAAAoAAAAZAAAAGQAAAAAAAAAzMzMAAAAAABQAAAAUAAAAGQAAABkAAAAAAAAABcAAAAUAAAAAAAAAAAAAAD/fwAA/38AAAAAAAAJAAAABAAAAEUXAAAMAAAAEAAAAAAAAAAAAAAAAAAAAAAAAAAeAAAAaAAAAAAAAAAAAAAAAAAAAAAAAAAAAAAAECcAABAnAAAAAAAAAAAAAAAAAAAAAAAAAAAAAAAAAAAAAAAAAAAAABQAAAAAAAAAwMD/AAAAAABkAAAAMgAAAAAAAABkAAAAAAAAAH9/fwAKAAAAHwAAAFQAAAC74OMF////AQAAAAAAAAAAAAAAAAAAAAAAAAAAAAAAAAAAAAAAAAAAAAAAAn9/fwCAgIADzMzMAMDA/wB/f38AAAAAAAAAAAAAAAAAAAAAAAAAAAAhAAAAGAAAABQAAABqBAAAiAMAABY0AAAoBwAAEAAAACYAAAAIAAAA//////////8="/>
               </a:ext>
             </a:extLst>
           </p:cNvSpPr>
@@ -13734,7 +13748,7 @@
           <p:cNvSpPr txBox="1">
             <a:extLst>
               <a:ext uri="smNativeData">
-                <pr:smNativeData xmlns:pr="smNativeData" val="SMDATA_13_BbpsXRMAAAAlAAAAEgAAAA8BAAAAkAAAAEgAAACQAAAASAAAAAAAAAAAAAAAAAAAAAEAAABQAAAAAAAAAAAA4D8AAAAAAADgPwAAAAAAAOA/AAAAAAAA4D8AAAAAAADgPwAAAAAAAOA/AAAAAAAA4D8AAAAAAADgPwAAAAAAAOA/AAAAAAAA4D8CAAAAjAAAAAAAAAAAAAAAu+DjDP///wgAAAAAAAAAAAAAAAAAAAAAAAAAAAAAAAAAAAAAZAAAAAEAAABAAAAAAAAAAAAAAAAAAAAAAAAAAAAAAAAAAAAAAAAAAAAAAAAAAAAAAAAAAAAAAAAAAAAAAAAAAAAAAAAAAAAAAAAAAAAAAAAAAAAAAAAAAAAAAAAAAAAAFAAAADwAAAAAAAAAAAAAAAAAAAkUAAAAAQAAABQAAAAUAAAAFAAAAAEAAAAAAAAAZAAAAGQAAAAAAAAAZAAAAGQAAAAVAAAAYAAAAAAAAAAAAAAADwAAACADAAAAAAAAAAAAAAEAAACgMgAAVgcAAKr4//8BAAAAf39/AAEAAABkAAAAAAAAABQAAABAHwAAAAAAACYAAAAAAAAAwOD//wAAAAAmAAAAZAAAABYAAABMAAAAAAAAAAAAAAAEAAAAAAAAAAEAAACAgIAKAAAAACgAAAAoAAAAZAAAAGQAAAAAAAAAzMzMAAAAAABQAAAAUAAAAGQAAABkAAAAAAAAABcAAAAUAAAAAAAAANwIAAD/fwAA/38AAAAAAAAJAAAABAAAAON4AAAMAAAAEAAAAAAAAAAAAAAAAAAAAAAAAAAeAAAAaAAAAAAAAAAAAAAAAAAAAAAAAAAAAAAAECcAABAnAAAAAAAAAAAAAAAAAAAAAAAAAAAAAAAAAAAAAAAAAAAAABQAAAAAAAAAwMD/AAAAAABkAAAAMgAAAAAAAABkAAAAAAAAAH9/fwAKAAAAHwAAAFQAAAC74OMF////AQAAAAAAAAAAAAAAAAAAAAAAAAAAAAAAAAAAAAAAAAAAAAAAAn9/fwCAgIADzMzMAMDA/wB/f38AAAAAAAAAAAAAAAAAAAAAAAAAAAAhAAAAGAAAABQAAABqBAAAzQgAABY0AAAbIQAAAAAAACYAAAAIAAAA//////////8="/>
+                <pr:smNativeData xmlns:pr="smNativeData" val="SMDATA_13_IrKAXRMAAAAlAAAAEgAAAA8BAAAAkAAAAEgAAACQAAAASAAAAAAAAAAAAAAAAAAAAAEAAABQAAAAAAAAAAAA4D8AAAAAAADgPwAAAAAAAOA/AAAAAAAA4D8AAAAAAADgPwAAAAAAAOA/AAAAAAAA4D8AAAAAAADgPwAAAAAAAOA/AAAAAAAA4D8CAAAAjAAAAAAAAAAAAAAAu+DjDP///wgAAAAAAAAAAAAAAAAAAAAAAAAAAAAAAAAAAAAAZAAAAAEAAABAAAAAAAAAAAAAAAAAAAAAAAAAAAAAAAAAAAAAAAAAAAAAAAAAAAAAAAAAAAAAAAAAAAAAAAAAAAAAAAAAAAAAAAAAAAAAAAAAAAAAAAAAAAAAAAAAAAAAFAAAADwAAAAAAAAAAAAAAAAAAAkUAAAAAQAAABQAAAAUAAAAFAAAAAEAAAAAAAAAZAAAAGQAAAAAAAAAZAAAAGQAAAAVAAAAYAAAAAAAAAAAAAAADwAAACADAAAAAAAAAAAAAAEAAACgMgAAVgcAAKr4//8BAAAAf39/AAEAAABkAAAAAAAAABQAAABAHwAAAAAAACYAAAAAAAAAwOD//wAAAAAmAAAAZAAAABYAAABMAAAAAAAAAAAAAAAEAAAAAAAAAAEAAACAgIAKAAAAACgAAAAoAAAAZAAAAGQAAAAAAAAAzMzMAAAAAABQAAAAUAAAAGQAAABkAAAAAAAAABcAAAAUAAAAAAAAANwIAAD/fwAA/38AAAAAAAAJAAAABAAAAON4AAAMAAAAEAAAAAAAAAAAAAAAAAAAAAAAAAAeAAAAaAAAAAAAAAAAAAAAAAAAAAAAAAAAAAAAECcAABAnAAAAAAAAAAAAAAAAAAAAAAAAAAAAAAAAAAAAAAAAAAAAABQAAAAAAAAAwMD/AAAAAABkAAAAMgAAAAAAAABkAAAAAAAAAH9/fwAKAAAAHwAAAFQAAAC74OMF////AQAAAAAAAAAAAAAAAAAAAAAAAAAAAAAAAAAAAAAAAAAAAAAAAn9/fwCAgIADzMzMAMDA/wB/f38AAAAAAAAAAAAAAAAAAAAAAAAAAAAhAAAAGAAAABQAAABqBAAAzQgAABY0AAAbIQAAEAAAACYAAAAIAAAA//////////8="/>
               </a:ext>
             </a:extLst>
           </p:cNvSpPr>
@@ -13930,7 +13944,7 @@
           <p:cNvSpPr>
             <a:extLst>
               <a:ext uri="smNativeData">
-                <pr:smNativeData xmlns:pr="smNativeData" val="SMDATA_13_BbpsXRMAAAAlAAAAZAAAAA8BAAAAkAAAAEgAAACQAAAASAAAAAAAAAAAAAAAAAAAAAEAAABQAAAAAAAAAAAA4D8AAAAAAADgPwAAAAAAAOA/AAAAAAAA4D8AAAAAAADgPwAAAAAAAOA/AAAAAAAA4D8AAAAAAADgPwAAAAAAAOA/AAAAAAAA4D8CAAAAjAAAAAEAAAAAAAAAHh4eAP///wgAAAAAAAAAAAAAAAAAAAAAAAAAAAAAAAAAAAAAZAAAAAEAAABAAAAAAAAAAAAAAAAAAAAAAAAAAAAAAAAAAAAAAAAAAAAAAAAAAAAAAAAAAAAAAAAAAAAAAAAAAAAAAAAAAAAAAAAAAAAAAAAAAAAAAAAAAAAAAAAAAAAAFAAAADwAAAAAAAAAAAAAAAAAAAkAAAAAAQAAAAAAAAAAAAAAAAAAAAAAAAAAAAAAZAAAAGQAAAAAAAAAZAAAAGQAAAAVAAAAYAAAAAAAAAAAAAAADwAAACADAAAAAAAAAAAAAAEAAACgMgAAAAAAAAAAAAABAAAAf39/AAEAAABkAAAAAAAAABQAAABAHwAAAAAAACYAAAAAAAAAwOD//wAAAAAmAAAAZAAAABYAAABMAAAAAAAAAAAAAAAEAAAAAAAAAAEAAACAgIAKAAAAACgAAAAoAAAAZAAAAGQAAAAAAAAAzMzMAAAAAABQAAAAUAAAAGQAAABkAAAAAAAAABcAAAAUAAAAAAAAAAAAAAD/fwAA/38AAAAAAAAJAAAABAAAAEMCAAAMAAAAEAAAAAAAAAAAAAAAAAAAAAAAAAAeAAAAaAAAAAAAAAAAAAAAAAAAAAAAAAAAAAAAECcAABAnAAAAAAAAAAAAAAAAAAAAAAAAAAAAAAAAAAAAAAAAAAAAABQAAAAAAAAAwMD/AAAAAABkAAAAMgAAAAAAAABkAAAAAAAAAH9/fwAKAAAAHwAAAFQAAAAeHh4A////AQAAAAAAAAAAAAAAAAAAAAAAAAAAAAAAAAAAAAAAAAAAAAAAAn9/fwCAgIADzMzMAMDA/wB/f38AAAAAAAAAAAAAAAAAAAAAAAAAAAAhAAAAGAAAABQAAAAAAAAAZQcAAEA4AAC4CAAAEAAAACYAAAAIAAAA//////////8="/>
+                <pr:smNativeData xmlns:pr="smNativeData" val="SMDATA_13_IrKAXRMAAAAlAAAAZAAAAA8BAAAAkAAAAEgAAACQAAAASAAAAAAAAAAAAAAAAAAAAAEAAABQAAAAAAAAAAAA4D8AAAAAAADgPwAAAAAAAOA/AAAAAAAA4D8AAAAAAADgPwAAAAAAAOA/AAAAAAAA4D8AAAAAAADgPwAAAAAAAOA/AAAAAAAA4D8CAAAAjAAAAAEAAAAAAAAAHh4eAP///wgAAAAAAAAAAAAAAAAAAAAAAAAAAAAAAAAAAAAAZAAAAAEAAABAAAAAAAAAAAAAAAAAAAAAAAAAAAAAAAAAAAAAAAAAAAAAAAAAAAAAAAAAAAAAAAAAAAAAAAAAAAAAAAAAAAAAAAAAAAAAAAAAAAAAAAAAAAAAAAAAAAAAFAAAADwAAAAAAAAAAAAAAAAAAAkAAAAAAQAAAAAAAAAAAAAAAAAAAAAAAAAAAAAAZAAAAGQAAAAAAAAAZAAAAGQAAAAVAAAAYAAAAAAAAAAAAAAADwAAACADAAAAAAAAAAAAAAEAAACgMgAAAAAAAAAAAAABAAAAf39/AAEAAABkAAAAAAAAABQAAABAHwAAAAAAACYAAAAAAAAAwOD//wAAAAAmAAAAZAAAABYAAABMAAAAAAAAAAAAAAAEAAAAAAAAAAEAAACAgIAKAAAAACgAAAAoAAAAZAAAAGQAAAAAAAAAzMzMAAAAAABQAAAAUAAAAGQAAABkAAAAAAAAABcAAAAUAAAAAAAAAAAAAAD/fwAA/38AAAAAAAAJAAAABAAAAEMCAAAMAAAAEAAAAAAAAAAAAAAAAAAAAAAAAAAeAAAAaAAAAAAAAAAAAAAAAAAAAAAAAAAAAAAAECcAABAnAAAAAAAAAAAAAAAAAAAAAAAAAAAAAAAAAAAAAAAAAAAAABQAAAAAAAAAwMD/AAAAAABkAAAAMgAAAAAAAABkAAAAAAAAAH9/fwAKAAAAHwAAAFQAAAAeHh4A////AQAAAAAAAAAAAAAAAAAAAAAAAAAAAAAAAAAAAAAAAAAAAAAAAn9/fwCAgIADzMzMAMDA/wB/f38AAAAAAAAAAAAAAAAAAAAAAAAAAAAhAAAAGAAAABQAAAAAAAAAZQcAAEA4AAC4CAAAEAAAACYAAAAIAAAA//////////8="/>
               </a:ext>
             </a:extLst>
           </p:cNvSpPr>
@@ -13999,7 +14013,7 @@
           <p:cNvSpPr>
             <a:extLst>
               <a:ext uri="smNativeData">
-                <pr:smNativeData xmlns:pr="smNativeData" val="SMDATA_13_BbpsXRMAAAAlAAAAZAAAAA8BAAAAkAAAAEgAAACQAAAASAAAAAAAAAABAAAAAAAAAAEAAABQAAAAAAAAAAAA4D8AAAAAAADgPwAAAAAAAOA/AAAAAAAA4D8AAAAAAADgPwAAAAAAAOA/AAAAAAAA4D8AAAAAAADgPwAAAAAAAOA/AAAAAAAA4D8CAAAAjAAAAAAAAAAAAAAAu+DjDP///wgAAAAAAAAAAAAAAAAAAAAAAAAAAAAAAAAAAAAAZAAAAAEAAABAAAAAAAAAAAAAAAAAAAAAAAAAAAAAAAAAAAAAAAAAAAAAAAAAAAAAAAAAAAAAAAAAAAAAAAAAAAAAAAAAAAAAAAAAAAAAAAAAAAAAAAAAAAAAAAAAAAAAFAAAADwAAAAAAAAAAAAAAAAAAAkUAAAAAQAAABQAAAAUAAAAFAAAAAEAAAAAAAAAZAAAAGQAAAAAAAAAZAAAAGQAAAAVAAAAYAAAAAAAAAAAAAAADwAAACADAAAAAAAAAAAAAAEAAACgMgAAVgcAAKr4//8BAAAAf39/AAEAAABkAAAAAAAAABQAAABAHwAAAAAAACYAAAAAAAAAwOD//wAAAAAmAAAAZAAAABYAAABMAAAAAAAAAAAAAAAEAAAAAAAAAAEAAACAgIAKAAAAACgAAAAoAAAAZAAAAGQAAAAAAAAAzMzMAAAAAABQAAAAUAAAAGQAAABkAAAAAAAAABcAAAAUAAAAAAAAAAAAAAD/fwAA/38AAAAAAAAJAAAABAAAAAAAAAAMAAAAEAAAAAAAAAAAAAAAAAAAAAAAAAAeAAAAaAAAAAAAAAAAAAAAAAAAAAAAAAAAAAAAECcAABAnAAAAAAAAAAAAAAAAAAAAAAAAAAAAAAAAAAAAAAAAAAAAABQAAAAAAAAAwMD/AAAAAABkAAAAMgAAAAAAAABkAAAAAAAAAH9/fwAKAAAAHwAAAFQAAAC74OMF////AQAAAAAAAAAAAAAAAAAAAAAAAAAAAAAAAAAAAAAAAAAAAAAAAn9/fwCAgIADzMzMAMDA/wB/f38AAAAAAAAAAAAAAAAAAAAAAAAAAAAhAAAAGAAAABQAAABqBAAAiAMAABY0AAAoBwAAEAAAACYAAAAIAAAA//////////8="/>
+                <pr:smNativeData xmlns:pr="smNativeData" val="SMDATA_13_IrKAXRMAAAAlAAAAZAAAAA8BAAAAkAAAAEgAAACQAAAASAAAAAAAAAABAAAAAAAAAAEAAABQAAAAAAAAAAAA4D8AAAAAAADgPwAAAAAAAOA/AAAAAAAA4D8AAAAAAADgPwAAAAAAAOA/AAAAAAAA4D8AAAAAAADgPwAAAAAAAOA/AAAAAAAA4D8CAAAAjAAAAAAAAAAAAAAAu+DjDP///wgAAAAAAAAAAAAAAAAAAAAAAAAAAAAAAAAAAAAAZAAAAAEAAABAAAAAAAAAAAAAAAAAAAAAAAAAAAAAAAAAAAAAAAAAAAAAAAAAAAAAAAAAAAAAAAAAAAAAAAAAAAAAAAAAAAAAAAAAAAAAAAAAAAAAAAAAAAAAAAAAAAAAFAAAADwAAAAAAAAAAAAAAAAAAAkUAAAAAQAAABQAAAAUAAAAFAAAAAEAAAAAAAAAZAAAAGQAAAAAAAAAZAAAAGQAAAAVAAAAYAAAAAAAAAAAAAAADwAAACADAAAAAAAAAAAAAAEAAACgMgAAVgcAAKr4//8BAAAAf39/AAEAAABkAAAAAAAAABQAAABAHwAAAAAAACYAAAAAAAAAwOD//wAAAAAmAAAAZAAAABYAAABMAAAAAAAAAAAAAAAEAAAAAAAAAAEAAACAgIAKAAAAACgAAAAoAAAAZAAAAGQAAAAAAAAAzMzMAAAAAABQAAAAUAAAAGQAAABkAAAAAAAAABcAAAAUAAAAAAAAAAAAAAD/fwAA/38AAAAAAAAJAAAABAAAAAAAAAAMAAAAEAAAAAAAAAAAAAAAAAAAAAAAAAAeAAAAaAAAAAAAAAAAAAAAAAAAAAAAAAAAAAAAECcAABAnAAAAAAAAAAAAAAAAAAAAAAAAAAAAAAAAAAAAAAAAAAAAABQAAAAAAAAAwMD/AAAAAABkAAAAMgAAAAAAAABkAAAAAAAAAH9/fwAKAAAAHwAAAFQAAAC74OMF////AQAAAAAAAAAAAAAAAAAAAAAAAAAAAAAAAAAAAAAAAAAAAAAAAn9/fwCAgIADzMzMAMDA/wB/f38AAAAAAAAAAAAAAAAAAAAAAAAAAAAhAAAAGAAAABQAAABqBAAAiAMAABY0AAAoBwAAEAAAACYAAAAIAAAA//////////8="/>
               </a:ext>
             </a:extLst>
           </p:cNvSpPr>
@@ -14045,7 +14059,7 @@
           <p:cNvSpPr txBox="1">
             <a:extLst>
               <a:ext uri="smNativeData">
-                <pr:smNativeData xmlns:pr="smNativeData" val="SMDATA_13_BbpsXRMAAAAlAAAAEgAAAA8BAAAAkAAAAEgAAACQAAAASAAAAAAAAAAAAAAAAAAAAAEAAABQAAAAAAAAAAAA4D8AAAAAAADgPwAAAAAAAOA/AAAAAAAA4D8AAAAAAADgPwAAAAAAAOA/AAAAAAAA4D8AAAAAAADgPwAAAAAAAOA/AAAAAAAA4D8CAAAAjAAAAAAAAAAAAAAAu+DjDP///wgAAAAAAAAAAAAAAAAAAAAAAAAAAAAAAAAAAAAAZAAAAAEAAABAAAAAAAAAAAAAAAAAAAAAAAAAAAAAAAAAAAAAAAAAAAAAAAAAAAAAAAAAAAAAAAAAAAAAAAAAAAAAAAAAAAAAAAAAAAAAAAAAAAAAAAAAAAAAAAAAAAAAFAAAADwAAAAAAAAAAAAAAAAAAAkUAAAAAQAAABQAAAAUAAAAFAAAAAEAAAAAAAAAZAAAAGQAAAAAAAAAZAAAAGQAAAAVAAAAYAAAAAAAAAAAAAAADwAAACADAAAAAAAAAAAAAAEAAACgMgAAVgcAAKr4//8BAAAAf39/AAEAAABkAAAAAAAAABQAAABAHwAAAAAAACYAAAAAAAAAwOD//wAAAAAmAAAAZAAAABYAAABMAAAAAAAAAAAAAAAEAAAAAAAAAAEAAACAgIAKAAAAACgAAAAoAAAAZAAAAGQAAAAAAAAAzMzMAAAAAABQAAAAUAAAAGQAAABkAAAAAAAAABcAAAAUAAAAAAAAANwIAAD/fwAA/38AAAAAAAAJAAAABAAAADAYIQIMAAAAEAAAAAAAAAAAAAAAAAAAAAAAAAAeAAAAaAAAAAAAAAAAAAAAAAAAAAAAAAAAAAAAECcAABAnAAAAAAAAAAAAAAAAAAAAAAAAAAAAAAAAAAAAAAAAAAAAABQAAAAAAAAAwMD/AAAAAABkAAAAMgAAAAAAAABkAAAAAAAAAH9/fwAKAAAAHwAAAFQAAAC74OMF////AQAAAAAAAAAAAAAAAAAAAAAAAAAAAAAAAAAAAAAAAAAAAAAAAn9/fwCAgIADzMzMAMDA/wB/f38AAAAAAAAAAAAAAAAAAAAAAAAAAAAhAAAAGAAAABQAAABqBAAAzQgAABY0AAAbIQAAEAAAACYAAAAIAAAA//////////8="/>
+                <pr:smNativeData xmlns:pr="smNativeData" val="SMDATA_13_IrKAXRMAAAAlAAAAEgAAAA8BAAAAkAAAAEgAAACQAAAASAAAAAAAAAAAAAAAAAAAAAEAAABQAAAAAAAAAAAA4D8AAAAAAADgPwAAAAAAAOA/AAAAAAAA4D8AAAAAAADgPwAAAAAAAOA/AAAAAAAA4D8AAAAAAADgPwAAAAAAAOA/AAAAAAAA4D8CAAAAjAAAAAAAAAAAAAAAu+DjDP///wgAAAAAAAAAAAAAAAAAAAAAAAAAAAAAAAAAAAAAZAAAAAEAAABAAAAAAAAAAAAAAAAAAAAAAAAAAAAAAAAAAAAAAAAAAAAAAAAAAAAAAAAAAAAAAAAAAAAAAAAAAAAAAAAAAAAAAAAAAAAAAAAAAAAAAAAAAAAAAAAAAAAAFAAAADwAAAAAAAAAAAAAAAAAAAkUAAAAAQAAABQAAAAUAAAAFAAAAAEAAAAAAAAAZAAAAGQAAAAAAAAAZAAAAGQAAAAVAAAAYAAAAAAAAAAAAAAADwAAACADAAAAAAAAAAAAAAEAAACgMgAAVgcAAKr4//8BAAAAf39/AAEAAABkAAAAAAAAABQAAABAHwAAAAAAACYAAAAAAAAAwOD//wAAAAAmAAAAZAAAABYAAABMAAAAAAAAAAAAAAAEAAAAAAAAAAEAAACAgIAKAAAAACgAAAAoAAAAZAAAAGQAAAAAAAAAzMzMAAAAAABQAAAAUAAAAGQAAABkAAAAAAAAABcAAAAUAAAAAAAAANwIAAD/fwAA/38AAAAAAAAJAAAABAAAADAYIQIMAAAAEAAAAAAAAAAAAAAAAAAAAAAAAAAeAAAAaAAAAAAAAAAAAAAAAAAAAAAAAAAAAAAAECcAABAnAAAAAAAAAAAAAAAAAAAAAAAAAAAAAAAAAAAAAAAAAAAAABQAAAAAAAAAwMD/AAAAAABkAAAAMgAAAAAAAABkAAAAAAAAAH9/fwAKAAAAHwAAAFQAAAC74OMF////AQAAAAAAAAAAAAAAAAAAAAAAAAAAAAAAAAAAAAAAAAAAAAAAAn9/fwCAgIADzMzMAMDA/wB/f38AAAAAAAAAAAAAAAAAAAAAAAAAAAAhAAAAGAAAABQAAABqBAAAzQgAABY0AAAbIQAAEAAAACYAAAAIAAAA//////////8="/>
               </a:ext>
             </a:extLst>
           </p:cNvSpPr>
@@ -14140,7 +14154,7 @@
           <p:cNvSpPr>
             <a:extLst>
               <a:ext uri="smNativeData">
-                <pr:smNativeData xmlns:pr="smNativeData" val="SMDATA_13_BbpsXRMAAAAlAAAAZAAAAA8BAAAAkAAAAEgAAACQAAAASAAAAAAAAAAAAAAAAAAAAAEAAABQAAAAAAAAAAAA4D8AAAAAAADgPwAAAAAAAOA/AAAAAAAA4D8AAAAAAADgPwAAAAAAAOA/AAAAAAAA4D8AAAAAAADgPwAAAAAAAOA/AAAAAAAA4D8CAAAAjAAAAAEAAAAAAAAAHh4eAP///wgAAAAAAAAAAAAAAAAAAAAAAAAAAAAAAAAAAAAAZAAAAAEAAABAAAAAAAAAAAAAAAAAAAAAAAAAAAAAAAAAAAAAAAAAAAAAAAAAAAAAAAAAAAAAAAAAAAAAAAAAAAAAAAAAAAAAAAAAAAAAAAAAAAAAAAAAAAAAAAAAAAAAFAAAADwAAAAAAAAAAAAAAAAAAAkAAAAAAQAAAAAAAAAAAAAAAAAAAAAAAAAAAAAAZAAAAGQAAAAAAAAAZAAAAGQAAAAVAAAAYAAAAAAAAAAAAAAADwAAACADAAAAAAAAAAAAAAEAAACgMgAAAAAAAAAAAAABAAAAf39/AAEAAABkAAAAAAAAABQAAABAHwAAAAAAACYAAAAAAAAAwOD//wAAAAAmAAAAZAAAABYAAABMAAAAAAAAAAAAAAAEAAAAAAAAAAEAAACAgIAKAAAAACgAAAAoAAAAZAAAAGQAAAAAAAAAzMzMAAAAAABQAAAAUAAAAGQAAABkAAAAAAAAABcAAAAUAAAAAAAAAAAAAAD/fwAA/38AAAAAAAAJAAAABAAAADAYIQIMAAAAEAAAAAAAAAAAAAAAAAAAAAAAAAAeAAAAaAAAAAAAAAAAAAAAAAAAAAAAAAAAAAAAECcAABAnAAAAAAAAAAAAAAAAAAAAAAAAAAAAAAAAAAAAAAAAAAAAABQAAAAAAAAAwMD/AAAAAABkAAAAMgAAAAAAAABkAAAAAAAAAH9/fwAKAAAAHwAAAFQAAAAeHh4A////AQAAAAAAAAAAAAAAAAAAAAAAAAAAAAAAAAAAAAAAAAAAAAAAAn9/fwCAgIADzMzMAMDA/wB/f38AAAAAAAAAAAAAAAAAAAAAAAAAAAAhAAAAGAAAABQAAAAAAAAAZQcAAEA4AAC4CAAAEAAAACYAAAAIAAAA//////////8="/>
+                <pr:smNativeData xmlns:pr="smNativeData" val="SMDATA_13_IrKAXRMAAAAlAAAAZAAAAA8BAAAAkAAAAEgAAACQAAAASAAAAAAAAAAAAAAAAAAAAAEAAABQAAAAAAAAAAAA4D8AAAAAAADgPwAAAAAAAOA/AAAAAAAA4D8AAAAAAADgPwAAAAAAAOA/AAAAAAAA4D8AAAAAAADgPwAAAAAAAOA/AAAAAAAA4D8CAAAAjAAAAAEAAAAAAAAAHh4eAP///wgAAAAAAAAAAAAAAAAAAAAAAAAAAAAAAAAAAAAAZAAAAAEAAABAAAAAAAAAAAAAAAAAAAAAAAAAAAAAAAAAAAAAAAAAAAAAAAAAAAAAAAAAAAAAAAAAAAAAAAAAAAAAAAAAAAAAAAAAAAAAAAAAAAAAAAAAAAAAAAAAAAAAFAAAADwAAAAAAAAAAAAAAAAAAAkAAAAAAQAAAAAAAAAAAAAAAAAAAAAAAAAAAAAAZAAAAGQAAAAAAAAAZAAAAGQAAAAVAAAAYAAAAAAAAAAAAAAADwAAACADAAAAAAAAAAAAAAEAAACgMgAAAAAAAAAAAAABAAAAf39/AAEAAABkAAAAAAAAABQAAABAHwAAAAAAACYAAAAAAAAAwOD//wAAAAAmAAAAZAAAABYAAABMAAAAAAAAAAAAAAAEAAAAAAAAAAEAAACAgIAKAAAAACgAAAAoAAAAZAAAAGQAAAAAAAAAzMzMAAAAAABQAAAAUAAAAGQAAABkAAAAAAAAABcAAAAUAAAAAAAAAAAAAAD/fwAA/38AAAAAAAAJAAAABAAAADAYIQIMAAAAEAAAAAAAAAAAAAAAAAAAAAAAAAAeAAAAaAAAAAAAAAAAAAAAAAAAAAAAAAAAAAAAECcAABAnAAAAAAAAAAAAAAAAAAAAAAAAAAAAAAAAAAAAAAAAAAAAABQAAAAAAAAAwMD/AAAAAABkAAAAMgAAAAAAAABkAAAAAAAAAH9/fwAKAAAAHwAAAFQAAAAeHh4A////AQAAAAAAAAAAAAAAAAAAAAAAAAAAAAAAAAAAAAAAAAAAAAAAAn9/fwCAgIADzMzMAMDA/wB/f38AAAAAAAAAAAAAAAAAAAAAAAAAAAAhAAAAGAAAABQAAAAAAAAAZQcAAEA4AAC4CAAAEAAAACYAAAAIAAAA//////////8="/>
               </a:ext>
             </a:extLst>
           </p:cNvSpPr>
@@ -14170,7 +14184,7 @@
             <a:picLocks noChangeAspect="1"/>
             <a:extLst>
               <a:ext uri="smNativeData">
-                <pr:smNativeData xmlns:pr="smNativeData" val="SMDATA_15_BbpsXRMAAAAlAAAAEQAAAC0AAAAAkAAAAEgAAACQAAAASAAAAAAAAAAAAAAAAAAAAAEAAABQAAAAAAAAAAAA4D8AAAAAAADgPwAAAAAAAOA/AAAAAAAA4D8AAAAAAADgPwAAAAAAAOA/AAAAAAAA4D8AAAAAAADgPwAAAAAAAOA/AAAAAAAA4D8CAAAAjAAAAAAAAAAAAAAAu+DjDP///wgAAAAAAAAAAAAAAAAAAAAAAAAAAAAAAAAAAAAAZAAAAAEAAABAAAAAAAAAAAAAAAAAAAAAAAAAAAAAAAAAAAAAAAAAAAAAAAAAAAAAAAAAAAAAAAAAAAAAAAAAAAAAAAAAAAAAAAAAAAAAAAAAAAAAAAAAAAAAAAAAAAAAFAAAADwAAAAAAAAAAAAAAAAAAAkUAAAAAQAAABQAAAAUAAAAFAAAAAEAAAAAAAAAZAAAAGQAAAAAAAAAZAAAAGQAAAAVAAAAYAAAAAAAAAAAAAAADwAAACADAAAAAAAAAAAAAAEAAACgMgAAVgcAAKr4//8BAAAAf39/AAEAAABkAAAAAAAAABQAAABAHwAAAAAAACYAAAAAAAAAwOD//wAAAAAmAAAAZAAAABYAAABMAAAAAAAAAAAAAAAEAAAAAAAAAAEAAACAgIAKAAAAACgAAAAoAAAAZAAAAGQAAAAAAAAAzMzMAAAAAABQAAAAUAAAAGQAAABkAAAAAAAAAAcAAAA4AAAAAAAAAAAAAAAAAAAA////AAAAAAAAAAAAAAAAAAAAAAAAAAAAAAAAAAAAAABkAAAAZAAAAAAAAAAjAAAABAAAAGQAAAAXAAAAFAAAAAAAAAAAAAAA/38AAP9/AAAAAAAACQAAAAQAAAACAP3/DAAAABAAAAAAAAAAAAAAAAAAAAAAAAAAHgAAAGgAAAAAAAAAAAAAAAAAAAAAAAAAAAAAABAnAAAQJwAAAAAAAAAAAAAAAAAAAAAAAAAAAAAAAAAAAAAAAAAAAAAUAAAAAAAAAMDA/wAAAAAAZAAAADIAAAAAAAAAZAAAAAAAAAB/f38ACgAAAB8AAABUAAAAu+DjBf///wEAAAAAAAAAAAAAAAAAAAAAAAAAAAAAAAAAAAAAAAAAAAAAAAJ/f38AgICAA8zMzADAwP8Af39/AAAAAAAAAAAAAAAAAP///wAAAAAAIQAAABgAAAAUAAAA6wsAAMMWAACQKgAAUyoAABAAAAAmAAAACAAAAP//////////"/>
+                <pr:smNativeData xmlns:pr="smNativeData" val="SMDATA_15_IrKAXRMAAAAlAAAAEQAAAC0AAAAAkAAAAEgAAACQAAAASAAAAAAAAAAAAAAAAAAAAAEAAABQAAAAAAAAAAAA4D8AAAAAAADgPwAAAAAAAOA/AAAAAAAA4D8AAAAAAADgPwAAAAAAAOA/AAAAAAAA4D8AAAAAAADgPwAAAAAAAOA/AAAAAAAA4D8CAAAAjAAAAAAAAAAAAAAAu+DjDP///wgAAAAAAAAAAAAAAAAAAAAAAAAAAAAAAAAAAAAAZAAAAAEAAABAAAAAAAAAAAAAAAAAAAAAAAAAAAAAAAAAAAAAAAAAAAAAAAAAAAAAAAAAAAAAAAAAAAAAAAAAAAAAAAAAAAAAAAAAAAAAAAAAAAAAAAAAAAAAAAAAAAAAFAAAADwAAAAAAAAAAAAAAAAAAAkUAAAAAQAAABQAAAAUAAAAFAAAAAEAAAAAAAAAZAAAAGQAAAAAAAAAZAAAAGQAAAAVAAAAYAAAAAAAAAAAAAAADwAAACADAAAAAAAAAAAAAAEAAACgMgAAVgcAAKr4//8BAAAAf39/AAEAAABkAAAAAAAAABQAAABAHwAAAAAAACYAAAAAAAAAwOD//wAAAAAmAAAAZAAAABYAAABMAAAAAAAAAAAAAAAEAAAAAAAAAAEAAACAgIAKAAAAACgAAAAoAAAAZAAAAGQAAAAAAAAAzMzMAAAAAABQAAAAUAAAAGQAAABkAAAAAAAAAAcAAAA4AAAAAAAAAAAAAAAAAAAA////AAAAAAAAAAAAAAAAAAAAAAAAAAAAAAAAAAAAAABkAAAAZAAAAAAAAAAjAAAABAAAAGQAAAAXAAAAFAAAAAAAAAAAAAAA/38AAP9/AAAAAAAACQAAAAQAAAACAP3/DAAAABAAAAAAAAAAAAAAAAAAAAAAAAAAHgAAAGgAAAAAAAAAAAAAAAAAAAAAAAAAAAAAABAnAAAQJwAAAAAAAAAAAAAAAAAAAAAAAAAAAAAAAAAAAAAAAAAAAAAUAAAAAAAAAMDA/wAAAAAAZAAAADIAAAAAAAAAZAAAAAAAAAB/f38ACgAAAB8AAABUAAAAu+DjBf///wEAAAAAAAAAAAAAAAAAAAAAAAAAAAAAAAAAAAAAAAAAAAAAAAJ/f38AgICAA8zMzADAwP8Af39/AAAAAAAAAAAAAAAAAP///wAAAAAAIQAAABgAAAAUAAAA6wsAAMMWAACQKgAAUyoAABAAAAAmAAAACAAAAP//////////"/>
               </a:ext>
             </a:extLst>
           </p:cNvPicPr>
@@ -14243,7 +14257,7 @@
           <p:cNvSpPr>
             <a:extLst>
               <a:ext uri="smNativeData">
-                <pr:smNativeData xmlns:pr="smNativeData" val="SMDATA_13_BbpsXRMAAAAlAAAAZAAAAA8BAAAAkAAAAEgAAACQAAAASAAAAAAAAAABAAAAAAAAAAEAAABQAAAAAAAAAAAA4D8AAAAAAADgPwAAAAAAAOA/AAAAAAAA4D8AAAAAAADgPwAAAAAAAOA/AAAAAAAA4D8AAAAAAADgPwAAAAAAAOA/AAAAAAAA4D8CAAAAjAAAAAAAAAAAAAAAu+DjDP///wgAAAAAAAAAAAAAAAAAAAAAAAAAAAAAAAAAAAAAZAAAAAEAAABAAAAAAAAAAAAAAAAAAAAAAAAAAAAAAAAAAAAAAAAAAAAAAAAAAAAAAAAAAAAAAAAAAAAAAAAAAAAAAAAAAAAAAAAAAAAAAAAAAAAAAAAAAAAAAAAAAAAAFAAAADwAAAAAAAAAAAAAAAAAAAkUAAAAAQAAABQAAAAUAAAAFAAAAAEAAAAAAAAAZAAAAGQAAAAAAAAAZAAAAGQAAAAVAAAAYAAAAAAAAAAAAAAADwAAACADAAAAAAAAAAAAAAEAAACgMgAAVgcAAKr4//8BAAAAf39/AAEAAABkAAAAAAAAABQAAABAHwAAAAAAACYAAAAAAAAAwOD//wAAAAAmAAAAZAAAABYAAABMAAAAAAAAAAAAAAAEAAAAAAAAAAEAAACAgIAKAAAAACgAAAAoAAAAZAAAAGQAAAAAAAAAzMzMAAAAAABQAAAAUAAAAGQAAABkAAAAAAAAABcAAAAUAAAAAAAAAAAAAAD/fwAA/38AAAAAAAAJAAAABAAAAAAAAAAMAAAAEAAAAAAAAAAAAAAAAAAAAAAAAAAeAAAAaAAAAAAAAAAAAAAAAAAAAAAAAAAAAAAAECcAABAnAAAAAAAAAAAAAAAAAAAAAAAAAAAAAAAAAAAAAAAAAAAAABQAAAAAAAAAwMD/AAAAAABkAAAAMgAAAAAAAABkAAAAAAAAAH9/fwAKAAAAHwAAAFQAAAC74OMF////AQAAAAAAAAAAAAAAAAAAAAAAAAAAAAAAAAAAAAAAAAAAAAAAAn9/fwCAgIADzMzMAMDA/wB/f38AAAAAAAAAAAAAAAAAAAAAAAAAAAAhAAAAGAAAABQAAABqBAAAiAMAABY0AAAoBwAAEAAAACYAAAAIAAAA//////////8="/>
+                <pr:smNativeData xmlns:pr="smNativeData" val="SMDATA_13_IrKAXRMAAAAlAAAAZAAAAA8BAAAAkAAAAEgAAACQAAAASAAAAAAAAAABAAAAAAAAAAEAAABQAAAAAAAAAAAA4D8AAAAAAADgPwAAAAAAAOA/AAAAAAAA4D8AAAAAAADgPwAAAAAAAOA/AAAAAAAA4D8AAAAAAADgPwAAAAAAAOA/AAAAAAAA4D8CAAAAjAAAAAAAAAAAAAAAu+DjDP///wgAAAAAAAAAAAAAAAAAAAAAAAAAAAAAAAAAAAAAZAAAAAEAAABAAAAAAAAAAAAAAAAAAAAAAAAAAAAAAAAAAAAAAAAAAAAAAAAAAAAAAAAAAAAAAAAAAAAAAAAAAAAAAAAAAAAAAAAAAAAAAAAAAAAAAAAAAAAAAAAAAAAAFAAAADwAAAAAAAAAAAAAAAAAAAkUAAAAAQAAABQAAAAUAAAAFAAAAAEAAAAAAAAAZAAAAGQAAAAAAAAAZAAAAGQAAAAVAAAAYAAAAAAAAAAAAAAADwAAACADAAAAAAAAAAAAAAEAAACgMgAAVgcAAKr4//8BAAAAf39/AAEAAABkAAAAAAAAABQAAABAHwAAAAAAACYAAAAAAAAAwOD//wAAAAAmAAAAZAAAABYAAABMAAAAAAAAAAAAAAAEAAAAAAAAAAEAAACAgIAKAAAAACgAAAAoAAAAZAAAAGQAAAAAAAAAzMzMAAAAAABQAAAAUAAAAGQAAABkAAAAAAAAABcAAAAUAAAAAAAAAAAAAAD/fwAA/38AAAAAAAAJAAAABAAAAAAAAAAMAAAAEAAAAAAAAAAAAAAAAAAAAAAAAAAeAAAAaAAAAAAAAAAAAAAAAAAAAAAAAAAAAAAAECcAABAnAAAAAAAAAAAAAAAAAAAAAAAAAAAAAAAAAAAAAAAAAAAAABQAAAAAAAAAwMD/AAAAAABkAAAAMgAAAAAAAABkAAAAAAAAAH9/fwAKAAAAHwAAAFQAAAC74OMF////AQAAAAAAAAAAAAAAAAAAAAAAAAAAAAAAAAAAAAAAAAAAAAAAAn9/fwCAgIADzMzMAMDA/wB/f38AAAAAAAAAAAAAAAAAAAAAAAAAAAAhAAAAGAAAABQAAABqBAAAiAMAABY0AAAoBwAAEAAAACYAAAAIAAAA//////////8="/>
               </a:ext>
             </a:extLst>
           </p:cNvSpPr>
@@ -14289,7 +14303,7 @@
           <p:cNvSpPr txBox="1">
             <a:extLst>
               <a:ext uri="smNativeData">
-                <pr:smNativeData xmlns:pr="smNativeData" val="SMDATA_13_BbpsXRMAAAAlAAAAEgAAAA8BAAAAkAAAAEgAAACQAAAASAAAAAAAAAAAAAAAAAAAAAEAAABQAAAAAAAAAAAA4D8AAAAAAADgPwAAAAAAAOA/AAAAAAAA4D8AAAAAAADgPwAAAAAAAOA/AAAAAAAA4D8AAAAAAADgPwAAAAAAAOA/AAAAAAAA4D8CAAAAjAAAAAAAAAAAAAAAu+DjDP///wgAAAAAAAAAAAAAAAAAAAAAAAAAAAAAAAAAAAAAZAAAAAEAAABAAAAAAAAAAAAAAAAAAAAAAAAAAAAAAAAAAAAAAAAAAAAAAAAAAAAAAAAAAAAAAAAAAAAAAAAAAAAAAAAAAAAAAAAAAAAAAAAAAAAAAAAAAAAAAAAAAAAAFAAAADwAAAAAAAAAAAAAAAAAAAkUAAAAAQAAABQAAAAUAAAAFAAAAAEAAAAAAAAAZAAAAGQAAAAAAAAAZAAAAGQAAAAVAAAAYAAAAAAAAAAAAAAADwAAACADAAAAAAAAAAAAAAEAAACgMgAAVgcAAKr4//8BAAAAf39/AAEAAABkAAAAAAAAABQAAABAHwAAAAAAACYAAAAAAAAAwOD//wAAAAAmAAAAZAAAABYAAABMAAAAAAAAAAAAAAAEAAAAAAAAAAEAAACAgIAKAAAAACgAAAAoAAAAZAAAAGQAAAAAAAAAzMzMAAAAAABQAAAAUAAAAGQAAABkAAAAAAAAABcAAAAUAAAAAAAAANwIAAD/fwAA/38AAAAAAAAJAAAABAAAANra2v8MAAAAEAAAAAAAAAAAAAAAAAAAAAAAAAAeAAAAaAAAAAAAAAAAAAAAAAAAAAAAAAAAAAAAECcAABAnAAAAAAAAAAAAAAAAAAAAAAAAAAAAAAAAAAAAAAAAAAAAABQAAAAAAAAAwMD/AAAAAABkAAAAMgAAAAAAAABkAAAAAAAAAH9/fwAKAAAAHwAAAFQAAAC74OMF////AQAAAAAAAAAAAAAAAAAAAAAAAAAAAAAAAAAAAAAAAAAAAAAAAn9/fwCAgIADzMzMAMDA/wB/f38AAAAAAAAAAAAAAAAAAAAAAAAAAAAhAAAAGAAAABQAAABqBAAAzQgAABY0AAAbIQAAEAAAACYAAAAIAAAA//////////8="/>
+                <pr:smNativeData xmlns:pr="smNativeData" val="SMDATA_13_IrKAXRMAAAAlAAAAEgAAAA8BAAAAkAAAAEgAAACQAAAASAAAAAAAAAAAAAAAAAAAAAEAAABQAAAAAAAAAAAA4D8AAAAAAADgPwAAAAAAAOA/AAAAAAAA4D8AAAAAAADgPwAAAAAAAOA/AAAAAAAA4D8AAAAAAADgPwAAAAAAAOA/AAAAAAAA4D8CAAAAjAAAAAAAAAAAAAAAu+DjDP///wgAAAAAAAAAAAAAAAAAAAAAAAAAAAAAAAAAAAAAZAAAAAEAAABAAAAAAAAAAAAAAAAAAAAAAAAAAAAAAAAAAAAAAAAAAAAAAAAAAAAAAAAAAAAAAAAAAAAAAAAAAAAAAAAAAAAAAAAAAAAAAAAAAAAAAAAAAAAAAAAAAAAAFAAAADwAAAAAAAAAAAAAAAAAAAkUAAAAAQAAABQAAAAUAAAAFAAAAAEAAAAAAAAAZAAAAGQAAAAAAAAAZAAAAGQAAAAVAAAAYAAAAAAAAAAAAAAADwAAACADAAAAAAAAAAAAAAEAAACgMgAAVgcAAKr4//8BAAAAf39/AAEAAABkAAAAAAAAABQAAABAHwAAAAAAACYAAAAAAAAAwOD//wAAAAAmAAAAZAAAABYAAABMAAAAAAAAAAAAAAAEAAAAAAAAAAEAAACAgIAKAAAAACgAAAAoAAAAZAAAAGQAAAAAAAAAzMzMAAAAAABQAAAAUAAAAGQAAABkAAAAAAAAABcAAAAUAAAAAAAAANwIAAD/fwAA/38AAAAAAAAJAAAABAAAANra2v8MAAAAEAAAAAAAAAAAAAAAAAAAAAAAAAAeAAAAaAAAAAAAAAAAAAAAAAAAAAAAAAAAAAAAECcAABAnAAAAAAAAAAAAAAAAAAAAAAAAAAAAAAAAAAAAAAAAAAAAABQAAAAAAAAAwMD/AAAAAABkAAAAMgAAAAAAAABkAAAAAAAAAH9/fwAKAAAAHwAAAFQAAAC74OMF////AQAAAAAAAAAAAAAAAAAAAAAAAAAAAAAAAAAAAAAAAAAAAAAAAn9/fwCAgIADzMzMAMDA/wB/f38AAAAAAAAAAAAAAAAAAAAAAAAAAAAhAAAAGAAAABQAAABqBAAAzQgAABY0AAAbIQAAEAAAACYAAAAIAAAA//////////8="/>
               </a:ext>
             </a:extLst>
           </p:cNvSpPr>
@@ -14402,7 +14416,7 @@
           <p:cNvSpPr>
             <a:extLst>
               <a:ext uri="smNativeData">
-                <pr:smNativeData xmlns:pr="smNativeData" val="SMDATA_13_BbpsXRMAAAAlAAAAZAAAAA8BAAAAkAAAAEgAAACQAAAASAAAAAAAAAAAAAAAAAAAAAEAAABQAAAAAAAAAAAA4D8AAAAAAADgPwAAAAAAAOA/AAAAAAAA4D8AAAAAAADgPwAAAAAAAOA/AAAAAAAA4D8AAAAAAADgPwAAAAAAAOA/AAAAAAAA4D8CAAAAjAAAAAEAAAAAAAAAHh4eAP///wgAAAAAAAAAAAAAAAAAAAAAAAAAAAAAAAAAAAAAZAAAAAEAAABAAAAAAAAAAAAAAAAAAAAAAAAAAAAAAAAAAAAAAAAAAAAAAAAAAAAAAAAAAAAAAAAAAAAAAAAAAAAAAAAAAAAAAAAAAAAAAAAAAAAAAAAAAAAAAAAAAAAAFAAAADwAAAAAAAAAAAAAAAAAAAkAAAAAAQAAAAAAAAAAAAAAAAAAAAAAAAAAAAAAZAAAAGQAAAAAAAAAZAAAAGQAAAAVAAAAYAAAAAAAAAAAAAAADwAAACADAAAAAAAAAAAAAAEAAACgMgAAAAAAAAAAAAABAAAAf39/AAEAAABkAAAAAAAAABQAAABAHwAAAAAAACYAAAAAAAAAwOD//wAAAAAmAAAAZAAAABYAAABMAAAAAAAAAAAAAAAEAAAAAAAAAAEAAACAgIAKAAAAACgAAAAoAAAAZAAAAGQAAAAAAAAAzMzMAAAAAABQAAAAUAAAAGQAAABkAAAAAAAAABcAAAAUAAAAAAAAAAAAAAD/fwAA/38AAAAAAAAJAAAABAAAANPT0/8MAAAAEAAAAAAAAAAAAAAAAAAAAAAAAAAeAAAAaAAAAAAAAAAAAAAAAAAAAAAAAAAAAAAAECcAABAnAAAAAAAAAAAAAAAAAAAAAAAAAAAAAAAAAAAAAAAAAAAAABQAAAAAAAAAwMD/AAAAAABkAAAAMgAAAAAAAABkAAAAAAAAAH9/fwAKAAAAHwAAAFQAAAAeHh4A////AQAAAAAAAAAAAAAAAAAAAAAAAAAAAAAAAAAAAAAAAAAAAAAAAn9/fwCAgIADzMzMAMDA/wB/f38AAAAAAAAAAAAAAAAAAAAAAAAAAAAhAAAAGAAAABQAAAAAAAAAZQcAAEA4AAC4CAAAEAAAACYAAAAIAAAA//////////8="/>
+                <pr:smNativeData xmlns:pr="smNativeData" val="SMDATA_13_IrKAXRMAAAAlAAAAZAAAAA8BAAAAkAAAAEgAAACQAAAASAAAAAAAAAAAAAAAAAAAAAEAAABQAAAAAAAAAAAA4D8AAAAAAADgPwAAAAAAAOA/AAAAAAAA4D8AAAAAAADgPwAAAAAAAOA/AAAAAAAA4D8AAAAAAADgPwAAAAAAAOA/AAAAAAAA4D8CAAAAjAAAAAEAAAAAAAAAHh4eAP///wgAAAAAAAAAAAAAAAAAAAAAAAAAAAAAAAAAAAAAZAAAAAEAAABAAAAAAAAAAAAAAAAAAAAAAAAAAAAAAAAAAAAAAAAAAAAAAAAAAAAAAAAAAAAAAAAAAAAAAAAAAAAAAAAAAAAAAAAAAAAAAAAAAAAAAAAAAAAAAAAAAAAAFAAAADwAAAAAAAAAAAAAAAAAAAkAAAAAAQAAAAAAAAAAAAAAAAAAAAAAAAAAAAAAZAAAAGQAAAAAAAAAZAAAAGQAAAAVAAAAYAAAAAAAAAAAAAAADwAAACADAAAAAAAAAAAAAAEAAACgMgAAAAAAAAAAAAABAAAAf39/AAEAAABkAAAAAAAAABQAAABAHwAAAAAAACYAAAAAAAAAwOD//wAAAAAmAAAAZAAAABYAAABMAAAAAAAAAAAAAAAEAAAAAAAAAAEAAACAgIAKAAAAACgAAAAoAAAAZAAAAGQAAAAAAAAAzMzMAAAAAABQAAAAUAAAAGQAAABkAAAAAAAAABcAAAAUAAAAAAAAAAAAAAD/fwAA/38AAAAAAAAJAAAABAAAANPT0/8MAAAAEAAAAAAAAAAAAAAAAAAAAAAAAAAeAAAAaAAAAAAAAAAAAAAAAAAAAAAAAAAAAAAAECcAABAnAAAAAAAAAAAAAAAAAAAAAAAAAAAAAAAAAAAAAAAAAAAAABQAAAAAAAAAwMD/AAAAAABkAAAAMgAAAAAAAABkAAAAAAAAAH9/fwAKAAAAHwAAAFQAAAAeHh4A////AQAAAAAAAAAAAAAAAAAAAAAAAAAAAAAAAAAAAAAAAAAAAAAAAn9/fwCAgIADzMzMAMDA/wB/f38AAAAAAAAAAAAAAAAAAAAAAAAAAAAhAAAAGAAAABQAAAAAAAAAZQcAAEA4AAC4CAAAEAAAACYAAAAIAAAA//////////8="/>
               </a:ext>
             </a:extLst>
           </p:cNvSpPr>
@@ -14432,7 +14446,7 @@
             <a:picLocks noChangeAspect="1"/>
             <a:extLst>
               <a:ext uri="smNativeData">
-                <pr:smNativeData xmlns:pr="smNativeData" val="SMDATA_15_BbpsXRMAAAAlAAAAEQAAAC0AAAAAkAAAAEgAAACQAAAASAAAAAAAAAAAAAAAAAAAAAEAAABQAAAAAAAAAAAA4D8AAAAAAADgPwAAAAAAAOA/AAAAAAAA4D8AAAAAAADgPwAAAAAAAOA/AAAAAAAA4D8AAAAAAADgPwAAAAAAAOA/AAAAAAAA4D8CAAAAjAAAAAAAAAAAAAAAu+DjDP///wgAAAAAAAAAAAAAAAAAAAAAAAAAAAAAAAAAAAAAZAAAAAEAAABAAAAAAAAAAAAAAAAAAAAAAAAAAAAAAAAAAAAAAAAAAAAAAAAAAAAAAAAAAAAAAAAAAAAAAAAAAAAAAAAAAAAAAAAAAAAAAAAAAAAAAAAAAAAAAAAAAAAAFAAAADwAAAAAAAAAAAAAAAAAAAkUAAAAAQAAABQAAAAUAAAAFAAAAAEAAAAAAAAAZAAAAGQAAAAAAAAAZAAAAGQAAAAVAAAAYAAAAAAAAAAAAAAADwAAACADAAAAAAAAAAAAAAEAAACgMgAAVgcAAKr4//8BAAAAf39/AAEAAABkAAAAAAAAABQAAABAHwAAAAAAACYAAAAAAAAAwOD//wAAAAAmAAAAZAAAABYAAABMAAAAAAAAAAAAAAAEAAAAAAAAAAEAAACAgIAKAAAAACgAAAAoAAAAZAAAAGQAAAAAAAAAzMzMAAAAAABQAAAAUAAAAGQAAABkAAAAAAAAAAcAAAA4AAAAAAAAAAAAAAAAAAAA////AAAAAAAAAAAAAAAAAAAAAAAAAAAAAAAAAAAAAABkAAAAZAAAAAAAAAAjAAAABAAAAGQAAAAXAAAAFAAAAAAAAAAAAAAA/38AAP9/AAAAAAAACQAAAAQAAAACAAAADAAAABAAAAAAAAAAAAAAAAAAAAAAAAAAHgAAAGgAAAAAAAAAAAAAAAAAAAAAAAAAAAAAABAnAAAQJwAAAAAAAAAAAAAAAAAAAAAAAAAAAAAAAAAAAAAAAAAAAAAUAAAAAAAAAMDA/wAAAAAAZAAAADIAAAAAAAAAZAAAAAAAAAB/f38ACgAAAB8AAABUAAAAu+DjBf///wEAAAAAAAAAAAAAAAAAAAAAAAAAAAAAAAAAAAAAAAAAAAAAAAJ/f38AgICAA8zMzADAwP8Af39/AAAAAAAAAAAAAAAAAP///wAAAAAAIQAAABgAAAAUAAAA6wsAAMMWAACQKgAAUyoAABAAAAAmAAAACAAAAP//////////"/>
+                <pr:smNativeData xmlns:pr="smNativeData" val="SMDATA_15_IrKAXRMAAAAlAAAAEQAAAC0AAAAAkAAAAEgAAACQAAAASAAAAAAAAAAAAAAAAAAAAAEAAABQAAAAAAAAAAAA4D8AAAAAAADgPwAAAAAAAOA/AAAAAAAA4D8AAAAAAADgPwAAAAAAAOA/AAAAAAAA4D8AAAAAAADgPwAAAAAAAOA/AAAAAAAA4D8CAAAAjAAAAAAAAAAAAAAAu+DjDP///wgAAAAAAAAAAAAAAAAAAAAAAAAAAAAAAAAAAAAAZAAAAAEAAABAAAAAAAAAAAAAAAAAAAAAAAAAAAAAAAAAAAAAAAAAAAAAAAAAAAAAAAAAAAAAAAAAAAAAAAAAAAAAAAAAAAAAAAAAAAAAAAAAAAAAAAAAAAAAAAAAAAAAFAAAADwAAAAAAAAAAAAAAAAAAAkUAAAAAQAAABQAAAAUAAAAFAAAAAEAAAAAAAAAZAAAAGQAAAAAAAAAZAAAAGQAAAAVAAAAYAAAAAAAAAAAAAAADwAAACADAAAAAAAAAAAAAAEAAACgMgAAVgcAAKr4//8BAAAAf39/AAEAAABkAAAAAAAAABQAAABAHwAAAAAAACYAAAAAAAAAwOD//wAAAAAmAAAAZAAAABYAAABMAAAAAAAAAAAAAAAEAAAAAAAAAAEAAACAgIAKAAAAACgAAAAoAAAAZAAAAGQAAAAAAAAAzMzMAAAAAABQAAAAUAAAAGQAAABkAAAAAAAAAAcAAAA4AAAAAAAAAAAAAAAAAAAA////AAAAAAAAAAAAAAAAAAAAAAAAAAAAAAAAAAAAAABkAAAAZAAAAAAAAAAjAAAABAAAAGQAAAAXAAAAFAAAAAAAAAAAAAAA/38AAP9/AAAAAAAACQAAAAQAAAACAAAADAAAABAAAAAAAAAAAAAAAAAAAAAAAAAAHgAAAGgAAAAAAAAAAAAAAAAAAAAAAAAAAAAAABAnAAAQJwAAAAAAAAAAAAAAAAAAAAAAAAAAAAAAAAAAAAAAAAAAAAAUAAAAAAAAAMDA/wAAAAAAZAAAADIAAAAAAAAAZAAAAAAAAAB/f38ACgAAAB8AAABUAAAAu+DjBf///wEAAAAAAAAAAAAAAAAAAAAAAAAAAAAAAAAAAAAAAAAAAAAAAAJ/f38AgICAA8zMzADAwP8Af39/AAAAAAAAAAAAAAAAAP///wAAAAAAIQAAABgAAAAUAAAA6wsAAMMWAACQKgAAUyoAABAAAAAmAAAACAAAAP//////////"/>
               </a:ext>
             </a:extLst>
           </p:cNvPicPr>
@@ -14505,7 +14519,7 @@
           <p:cNvSpPr>
             <a:extLst>
               <a:ext uri="smNativeData">
-                <pr:smNativeData xmlns:pr="smNativeData" val="SMDATA_13_BbpsXRMAAAAlAAAAZAAAAA8BAAAAkAAAAEgAAACQAAAASAAAAAAAAAABAAAAAAAAAAEAAABQAAAAAAAAAAAA4D8AAAAAAADgPwAAAAAAAOA/AAAAAAAA4D8AAAAAAADgPwAAAAAAAOA/AAAAAAAA4D8AAAAAAADgPwAAAAAAAOA/AAAAAAAA4D8CAAAAjAAAAAAAAAAAAAAAu+DjDP///wgAAAAAAAAAAAAAAAAAAAAAAAAAAAAAAAAAAAAAZAAAAAEAAABAAAAAAAAAAAAAAAAAAAAAAAAAAAAAAAAAAAAAAAAAAAAAAAAAAAAAAAAAAAAAAAAAAAAAAAAAAAAAAAAAAAAAAAAAAAAAAAAAAAAAAAAAAAAAAAAAAAAAFAAAADwAAAAAAAAAAAAAAAAAAAkUAAAAAQAAABQAAAAUAAAAFAAAAAEAAAAAAAAAZAAAAGQAAAAAAAAAZAAAAGQAAAAVAAAAYAAAAAAAAAAAAAAADwAAACADAAAAAAAAAAAAAAEAAACgMgAAVgcAAKr4//8BAAAAf39/AAEAAABkAAAAAAAAABQAAABAHwAAAAAAACYAAAAAAAAAwOD//wAAAAAmAAAAZAAAABYAAABMAAAAAAAAAAAAAAAEAAAAAAAAAAEAAACAgIAKAAAAACgAAAAoAAAAZAAAAGQAAAAAAAAAzMzMAAAAAABQAAAAUAAAAGQAAABkAAAAAAAAABcAAAAUAAAAAAAAAAAAAAD/fwAA/38AAAAAAAAJAAAABAAAAPCptwMMAAAAEAAAAAAAAAAAAAAAAAAAAAAAAAAeAAAAaAAAAAAAAAAAAAAAAAAAAAAAAAAAAAAAECcAABAnAAAAAAAAAAAAAAAAAAAAAAAAAAAAAAAAAAAAAAAAAAAAABQAAAAAAAAAwMD/AAAAAABkAAAAMgAAAAAAAABkAAAAAAAAAH9/fwAKAAAAHwAAAFQAAAC74OMF////AQAAAAAAAAAAAAAAAAAAAAAAAAAAAAAAAAAAAAAAAAAAAAAAAn9/fwCAgIADzMzMAMDA/wB/f38AAAAAAAAAAAAAAAAAAAAAAAAAAAAhAAAAGAAAABQAAABqBAAAiAMAABY0AAAoBwAAEAAAACYAAAAIAAAA//////////8="/>
+                <pr:smNativeData xmlns:pr="smNativeData" val="SMDATA_13_IrKAXRMAAAAlAAAAZAAAAA8BAAAAkAAAAEgAAACQAAAASAAAAAAAAAABAAAAAAAAAAEAAABQAAAAAAAAAAAA4D8AAAAAAADgPwAAAAAAAOA/AAAAAAAA4D8AAAAAAADgPwAAAAAAAOA/AAAAAAAA4D8AAAAAAADgPwAAAAAAAOA/AAAAAAAA4D8CAAAAjAAAAAAAAAAAAAAAu+DjDP///wgAAAAAAAAAAAAAAAAAAAAAAAAAAAAAAAAAAAAAZAAAAAEAAABAAAAAAAAAAAAAAAAAAAAAAAAAAAAAAAAAAAAAAAAAAAAAAAAAAAAAAAAAAAAAAAAAAAAAAAAAAAAAAAAAAAAAAAAAAAAAAAAAAAAAAAAAAAAAAAAAAAAAFAAAADwAAAAAAAAAAAAAAAAAAAkUAAAAAQAAABQAAAAUAAAAFAAAAAEAAAAAAAAAZAAAAGQAAAAAAAAAZAAAAGQAAAAVAAAAYAAAAAAAAAAAAAAADwAAACADAAAAAAAAAAAAAAEAAACgMgAAVgcAAKr4//8BAAAAf39/AAEAAABkAAAAAAAAABQAAABAHwAAAAAAACYAAAAAAAAAwOD//wAAAAAmAAAAZAAAABYAAABMAAAAAAAAAAAAAAAEAAAAAAAAAAEAAACAgIAKAAAAACgAAAAoAAAAZAAAAGQAAAAAAAAAzMzMAAAAAABQAAAAUAAAAGQAAABkAAAAAAAAABcAAAAUAAAAAAAAAAAAAAD/fwAA/38AAAAAAAAJAAAABAAAAPCptwMMAAAAEAAAAAAAAAAAAAAAAAAAAAAAAAAeAAAAaAAAAAAAAAAAAAAAAAAAAAAAAAAAAAAAECcAABAnAAAAAAAAAAAAAAAAAAAAAAAAAAAAAAAAAAAAAAAAAAAAABQAAAAAAAAAwMD/AAAAAABkAAAAMgAAAAAAAABkAAAAAAAAAH9/fwAKAAAAHwAAAFQAAAC74OMF////AQAAAAAAAAAAAAAAAAAAAAAAAAAAAAAAAAAAAAAAAAAAAAAAAn9/fwCAgIADzMzMAMDA/wB/f38AAAAAAAAAAAAAAAAAAAAAAAAAAAAhAAAAGAAAABQAAABqBAAAiAMAABY0AAAoBwAAEAAAACYAAAAIAAAA//////////8="/>
               </a:ext>
             </a:extLst>
           </p:cNvSpPr>
@@ -14551,7 +14565,7 @@
           <p:cNvSpPr>
             <a:extLst>
               <a:ext uri="smNativeData">
-                <pr:smNativeData xmlns:pr="smNativeData" val="SMDATA_13_BbpsXRMAAAAlAAAAZAAAAA8BAAAAkAAAAEgAAACQAAAASAAAAAAAAAAAAAAAAAAAAAEAAABQAAAAAAAAAAAA4D8AAAAAAADgPwAAAAAAAOA/AAAAAAAA4D8AAAAAAADgPwAAAAAAAOA/AAAAAAAA4D8AAAAAAADgPwAAAAAAAOA/AAAAAAAA4D8CAAAAjAAAAAEAAAAAAAAAHh4eAP///wgAAAAAAAAAAAAAAAAAAAAAAAAAAAAAAAAAAAAAZAAAAAEAAABAAAAAAAAAAAAAAAAAAAAAAAAAAAAAAAAAAAAAAAAAAAAAAAAAAAAAAAAAAAAAAAAAAAAAAAAAAAAAAAAAAAAAAAAAAAAAAAAAAAAAAAAAAAAAAAAAAAAAFAAAADwAAAAAAAAAAAAAAAAAAAkAAAAAAQAAAAAAAAAAAAAAAAAAAAAAAAAAAAAAZAAAAGQAAAAAAAAAZAAAAGQAAAAVAAAAYAAAAAAAAAAAAAAADwAAACADAAAAAAAAAAAAAAEAAACgMgAAAAAAAAAAAAABAAAAf39/AAEAAABkAAAAAAAAABQAAABAHwAAAAAAACYAAAAAAAAAwOD//wAAAAAmAAAAZAAAABYAAABMAAAAAAAAAAAAAAAEAAAAAAAAAAEAAACAgIAKAAAAACgAAAAoAAAAZAAAAGQAAAAAAAAAzMzMAAAAAABQAAAAUAAAAGQAAABkAAAAAAAAABcAAAAUAAAAAAAAAAAAAAD/fwAA/38AAAAAAAAJAAAABAAAAAAAAAAMAAAAEAAAAAAAAAAAAAAAAAAAAAAAAAAeAAAAaAAAAAAAAAAAAAAAAAAAAAAAAAAAAAAAECcAABAnAAAAAAAAAAAAAAAAAAAAAAAAAAAAAAAAAAAAAAAAAAAAABQAAAAAAAAAwMD/AAAAAABkAAAAMgAAAAAAAABkAAAAAAAAAH9/fwAKAAAAHwAAAFQAAAAeHh4A////AQAAAAAAAAAAAAAAAAAAAAAAAAAAAAAAAAAAAAAAAAAAAAAAAn9/fwCAgIADzMzMAMDA/wB/f38AAAAAAAAAAAAAAAAAAAAAAAAAAAAhAAAAGAAAABQAAAAAAAAAZQcAAEA4AAC4CAAAEAAAACYAAAAIAAAA//////////8="/>
+                <pr:smNativeData xmlns:pr="smNativeData" val="SMDATA_13_IrKAXRMAAAAlAAAAZAAAAA8BAAAAkAAAAEgAAACQAAAASAAAAAAAAAAAAAAAAAAAAAEAAABQAAAAAAAAAAAA4D8AAAAAAADgPwAAAAAAAOA/AAAAAAAA4D8AAAAAAADgPwAAAAAAAOA/AAAAAAAA4D8AAAAAAADgPwAAAAAAAOA/AAAAAAAA4D8CAAAAjAAAAAEAAAAAAAAAHh4eAP///wgAAAAAAAAAAAAAAAAAAAAAAAAAAAAAAAAAAAAAZAAAAAEAAABAAAAAAAAAAAAAAAAAAAAAAAAAAAAAAAAAAAAAAAAAAAAAAAAAAAAAAAAAAAAAAAAAAAAAAAAAAAAAAAAAAAAAAAAAAAAAAAAAAAAAAAAAAAAAAAAAAAAAFAAAADwAAAAAAAAAAAAAAAAAAAkAAAAAAQAAAAAAAAAAAAAAAAAAAAAAAAAAAAAAZAAAAGQAAAAAAAAAZAAAAGQAAAAVAAAAYAAAAAAAAAAAAAAADwAAACADAAAAAAAAAAAAAAEAAACgMgAAAAAAAAAAAAABAAAAf39/AAEAAABkAAAAAAAAABQAAABAHwAAAAAAACYAAAAAAAAAwOD//wAAAAAmAAAAZAAAABYAAABMAAAAAAAAAAAAAAAEAAAAAAAAAAEAAACAgIAKAAAAACgAAAAoAAAAZAAAAGQAAAAAAAAAzMzMAAAAAABQAAAAUAAAAGQAAABkAAAAAAAAABcAAAAUAAAAAAAAAAAAAAD/fwAA/38AAAAAAAAJAAAABAAAAAAAAAAMAAAAEAAAAAAAAAAAAAAAAAAAAAAAAAAeAAAAaAAAAAAAAAAAAAAAAAAAAAAAAAAAAAAAECcAABAnAAAAAAAAAAAAAAAAAAAAAAAAAAAAAAAAAAAAAAAAAAAAABQAAAAAAAAAwMD/AAAAAABkAAAAMgAAAAAAAABkAAAAAAAAAH9/fwAKAAAAHwAAAFQAAAAeHh4A////AQAAAAAAAAAAAAAAAAAAAAAAAAAAAAAAAAAAAAAAAAAAAAAAAn9/fwCAgIADzMzMAMDA/wB/f38AAAAAAAAAAAAAAAAAAAAAAAAAAAAhAAAAGAAAABQAAAAAAAAAZQcAAEA4AAC4CAAAEAAAACYAAAAIAAAA//////////8="/>
               </a:ext>
             </a:extLst>
           </p:cNvSpPr>
@@ -14581,7 +14595,7 @@
             <a:picLocks noChangeAspect="1"/>
             <a:extLst>
               <a:ext uri="smNativeData">
-                <pr:smNativeData xmlns:pr="smNativeData" val="SMDATA_15_BbpsXRMAAAAlAAAAEQAAAC8BAAAAkAAAAEgAAACQAAAASAAAAAAAAAAAAAAAAAAAAAEAAABQAAAAAAAAAAAA4D8AAAAAAADgPwAAAAAAAOA/AAAAAAAA4D8AAAAAAADgPwAAAAAAAOA/AAAAAAAA4D8AAAAAAADgPwAAAAAAAOA/AAAAAAAA4D8CAAAAjAAAAAAAAAAAAAAAu+DjDP///wgAAAAAAAAAAAAAAAAAAAAAAAAAAAAAAAAAAAAAZAAAAAEAAABAAAAAAAAAAAAAAAAAAAAAAAAAAAAAAAAAAAAAAAAAAAAAAAAAAAAAAAAAAAAAAAAAAAAAAAAAAAAAAAAAAAAAAAAAAAAAAAAAAAAAAAAAAAAAAAAAAAAAFAAAADwAAAAAAAAAAAAAAAAAAAkUAAAAAQAAABQAAAAUAAAAFAAAAAEAAAAAAAAAZAAAAGQAAAAAAAAAZAAAAGQAAAAVAAAAYAAAAAAAAAAAAAAADwAAACADAAAAAAAAAAAAAAEAAACgMgAAVgcAAKr4//8BAAAAf39/AAEAAABkAAAAAAAAABQAAABAHwAAAAAAACYAAAAAAAAAwOD//wAAAAAmAAAAZAAAABYAAABMAAAAAAAAAAAAAAAEAAAAAAAAAAEAAACAgIAKAAAAACgAAAAoAAAAZAAAAGQAAAAAAAAAzMzMAAAAAABQAAAAUAAAAGQAAABkAAAAAAAAAAcAAAA4AAAAAAAAAAAAAAAAAAAA////AAAAAAAAAAAAAAAAAAAAAAAAAAAAAAAAAAAAAABkAAAAZAAAAAAAAAAjAAAABAAAAGQAAAAXAAAAFAAAAAAAAAAAAAAA/38AAP9/AAAAAAAACQAAAAQAAAB5bGU+DAAAABAAAACIgiEKhijgP7W0tLS0tNQ/HgAAAGgAAAAAAAAAAAAAAAAAAAAAAAAAAAAAABAnAAAQJwAAAAAAAAAAAAAAAAAAAAAAAAAAAAAAAAAAAAAAAAAAAAAUAAAAAAAAAMDA/wAAAAAAZAAAADIAAAAAAAAAZAAAAAAAAAB/f38ACgAAAB8AAABUAAAAu+DjBf///wEAAAAAAAAAAAAAAAAAAAAAAAAAAAAAAAAAAAAAAAAAAAAAAAJ/f38AgICAA8zMzADAwP8Af39/AAAAAAAAAAAAAAAAAP///wAAAAAAIQAAABgAAAAUAAAA3xEAACcKAABnJgAAKygAABAAAAAmAAAACAAAAP//////////"/>
+                <pr:smNativeData xmlns:pr="smNativeData" val="SMDATA_15_IrKAXRMAAAAlAAAAEQAAAC8BAAAAkAAAAEgAAACQAAAASAAAAAAAAAAAAAAAAAAAAAEAAABQAAAAAAAAAAAA4D8AAAAAAADgPwAAAAAAAOA/AAAAAAAA4D8AAAAAAADgPwAAAAAAAOA/AAAAAAAA4D8AAAAAAADgPwAAAAAAAOA/AAAAAAAA4D8CAAAAjAAAAAAAAAAAAAAAu+DjDP///wgAAAAAAAAAAAAAAAAAAAAAAAAAAAAAAAAAAAAAZAAAAAEAAABAAAAAAAAAAAAAAAAAAAAAAAAAAAAAAAAAAAAAAAAAAAAAAAAAAAAAAAAAAAAAAAAAAAAAAAAAAAAAAAAAAAAAAAAAAAAAAAAAAAAAAAAAAAAAAAAAAAAAFAAAADwAAAAAAAAAAAAAAAAAAAkUAAAAAQAAABQAAAAUAAAAFAAAAAEAAAAAAAAAZAAAAGQAAAAAAAAAZAAAAGQAAAAVAAAAYAAAAAAAAAAAAAAADwAAACADAAAAAAAAAAAAAAEAAACgMgAAVgcAAKr4//8BAAAAf39/AAEAAABkAAAAAAAAABQAAABAHwAAAAAAACYAAAAAAAAAwOD//wAAAAAmAAAAZAAAABYAAABMAAAAAAAAAAAAAAAEAAAAAAAAAAEAAACAgIAKAAAAACgAAAAoAAAAZAAAAGQAAAAAAAAAzMzMAAAAAABQAAAAUAAAAGQAAABkAAAAAAAAAAcAAAA4AAAAAAAAAAAAAAAAAAAA////AAAAAAAAAAAAAAAAAAAAAAAAAAAAAAAAAAAAAABkAAAAZAAAAAAAAAAjAAAABAAAAGQAAAAXAAAAFAAAAAAAAAAAAAAA/38AAP9/AAAAAAAACQAAAAQAAAB5bGU+DAAAABAAAACIgiEKhijgP7W0tLS0tNQ/HgAAAGgAAAAAAAAAAAAAAAAAAAAAAAAAAAAAABAnAAAQJwAAAAAAAAAAAAAAAAAAAAAAAAAAAAAAAAAAAAAAAAAAAAAUAAAAAAAAAMDA/wAAAAAAZAAAADIAAAAAAAAAZAAAAAAAAAB/f38ACgAAAB8AAABUAAAAu+DjBf///wEAAAAAAAAAAAAAAAAAAAAAAAAAAAAAAAAAAAAAAAAAAAAAAAJ/f38AgICAA8zMzADAwP8Af39/AAAAAAAAAAAAAAAAAP///wAAAAAAIQAAABgAAAAUAAAA3xEAACcKAABnJgAAKygAABAAAAAmAAAACAAAAP//////////"/>
               </a:ext>
             </a:extLst>
           </p:cNvPicPr>
@@ -14654,7 +14668,7 @@
           <p:cNvSpPr>
             <a:extLst>
               <a:ext uri="smNativeData">
-                <pr:smNativeData xmlns:pr="smNativeData" val="SMDATA_13_BbpsXRMAAAAlAAAAZAAAAA8BAAAAkAAAAEgAAACQAAAASAAAAAAAAAABAAAAAAAAAAEAAABQAAAAAAAAAAAA4D8AAAAAAADgPwAAAAAAAOA/AAAAAAAA4D8AAAAAAADgPwAAAAAAAOA/AAAAAAAA4D8AAAAAAADgPwAAAAAAAOA/AAAAAAAA4D8CAAAAjAAAAAAAAAAAAAAAu+DjDP///wgAAAAAAAAAAAAAAAAAAAAAAAAAAAAAAAAAAAAAZAAAAAEAAABAAAAAAAAAAAAAAAAAAAAAAAAAAAAAAAAAAAAAAAAAAAAAAAAAAAAAAAAAAAAAAAAAAAAAAAAAAAAAAAAAAAAAAAAAAAAAAAAAAAAAAAAAAAAAAAAAAAAAFAAAADwAAAAAAAAAAAAAAAAAAAkUAAAAAQAAABQAAAAUAAAAFAAAAAEAAAAAAAAAZAAAAGQAAAAAAAAAZAAAAGQAAAAVAAAAYAAAAAAAAAAAAAAADwAAACADAAAAAAAAAAAAAAEAAACgMgAAVgcAAKr4//8BAAAAf39/AAEAAABkAAAAAAAAABQAAABAHwAAAAAAACYAAAAAAAAAwOD//wAAAAAmAAAAZAAAABYAAABMAAAAAAAAAAAAAAAEAAAAAAAAAAEAAACAgIAKAAAAACgAAAAoAAAAZAAAAGQAAAAAAAAAzMzMAAAAAABQAAAAUAAAAGQAAABkAAAAAAAAABcAAAAUAAAAAAAAAAAAAAD/fwAA/38AAAAAAAAJAAAABAAAAAIA/f8MAAAAEAAAAAAAAAAAAAAAAAAAAAAAAAAeAAAAaAAAAAAAAAAAAAAAAAAAAAAAAAAAAAAAECcAABAnAAAAAAAAAAAAAAAAAAAAAAAAAAAAAAAAAAAAAAAAAAAAABQAAAAAAAAAwMD/AAAAAABkAAAAMgAAAAAAAABkAAAAAAAAAH9/fwAKAAAAHwAAAFQAAAC74OMF////AQAAAAAAAAAAAAAAAAAAAAAAAAAAAAAAAAAAAAAAAAAAAAAAAn9/fwCAgIADzMzMAMDA/wB/f38AAAAAAAAAAAAAAAAAAAAAAAAAAAAhAAAAGAAAABQAAABqBAAAiAMAABY0AAAoBwAAEAAAACYAAAAIAAAA//////////8="/>
+                <pr:smNativeData xmlns:pr="smNativeData" val="SMDATA_13_IrKAXRMAAAAlAAAAZAAAAA8BAAAAkAAAAEgAAACQAAAASAAAAAAAAAABAAAAAAAAAAEAAABQAAAAAAAAAAAA4D8AAAAAAADgPwAAAAAAAOA/AAAAAAAA4D8AAAAAAADgPwAAAAAAAOA/AAAAAAAA4D8AAAAAAADgPwAAAAAAAOA/AAAAAAAA4D8CAAAAjAAAAAAAAAAAAAAAu+DjDP///wgAAAAAAAAAAAAAAAAAAAAAAAAAAAAAAAAAAAAAZAAAAAEAAABAAAAAAAAAAAAAAAAAAAAAAAAAAAAAAAAAAAAAAAAAAAAAAAAAAAAAAAAAAAAAAAAAAAAAAAAAAAAAAAAAAAAAAAAAAAAAAAAAAAAAAAAAAAAAAAAAAAAAFAAAADwAAAAAAAAAAAAAAAAAAAkUAAAAAQAAABQAAAAUAAAAFAAAAAEAAAAAAAAAZAAAAGQAAAAAAAAAZAAAAGQAAAAVAAAAYAAAAAAAAAAAAAAADwAAACADAAAAAAAAAAAAAAEAAACgMgAAVgcAAKr4//8BAAAAf39/AAEAAABkAAAAAAAAABQAAABAHwAAAAAAACYAAAAAAAAAwOD//wAAAAAmAAAAZAAAABYAAABMAAAAAAAAAAAAAAAEAAAAAAAAAAEAAACAgIAKAAAAACgAAAAoAAAAZAAAAGQAAAAAAAAAzMzMAAAAAABQAAAAUAAAAGQAAABkAAAAAAAAABcAAAAUAAAAAAAAAAAAAAD/fwAA/38AAAAAAAAJAAAABAAAAAIA/f8MAAAAEAAAAAAAAAAAAAAAAAAAAAAAAAAeAAAAaAAAAAAAAAAAAAAAAAAAAAAAAAAAAAAAECcAABAnAAAAAAAAAAAAAAAAAAAAAAAAAAAAAAAAAAAAAAAAAAAAABQAAAAAAAAAwMD/AAAAAABkAAAAMgAAAAAAAABkAAAAAAAAAH9/fwAKAAAAHwAAAFQAAAC74OMF////AQAAAAAAAAAAAAAAAAAAAAAAAAAAAAAAAAAAAAAAAAAAAAAAAn9/fwCAgIADzMzMAMDA/wB/f38AAAAAAAAAAAAAAAAAAAAAAAAAAAAhAAAAGAAAABQAAABqBAAAiAMAABY0AAAoBwAAEAAAACYAAAAIAAAA//////////8="/>
               </a:ext>
             </a:extLst>
           </p:cNvSpPr>
@@ -14700,7 +14714,7 @@
           <p:cNvSpPr txBox="1">
             <a:extLst>
               <a:ext uri="smNativeData">
-                <pr:smNativeData xmlns:pr="smNativeData" val="SMDATA_13_BbpsXRMAAAAlAAAAEgAAAE8BAAAAkAAAAEgAAACQAAAASAAAAAAAAAAAAAAAAAAAAAEAAABQAAAAAAAAAAAA4D8AAAAAAADgPwAAAAAAAOA/AAAAAAAA4D8AAAAAAADgPwAAAAAAAOA/AAAAAAAA4D8AAAAAAADgPwAAAAAAAOA/AAAAAAAA4D8CAAAAjAAAAAAAAAAAAAAAu+DjDP///wgAAAAAAAAAAAAAAAAAAAAAAAAAAAAAAAAAAAAAZAAAAAEAAABAAAAAAAAAAAAAAAAAAAAAAAAAAAAAAAAAAAAAAAAAAAAAAAAAAAAAAAAAAAAAAAAAAAAAAAAAAAAAAAAAAAAAAAAAAAAAAAAAAAAAAAAAAAAAAAAAAAAAFAAAADwAAAAAAAAAAAAAAAAAAAkUAAAAAQAAABQAAAAUAAAAFAAAAAEAAAAAAAAAZAAAAGQAAAAAAAAAZAAAAGQAAAAVAAAAYAAAAAAAAAAAAAAADwAAACADAAAAAAAAAAAAAAEAAACgMgAAVgcAAKr4//8BAAAAf39/AAEAAABkAAAAAAAAABQAAABAHwAAAAAAACYAAAAAAAAAwOD//wAAAAAmAAAAZAAAABYAAABMAAAAAAAAAAAAAAAEAAAAAAAAAAEAAACAgIAKAAAAACgAAAAoAAAAZAAAAGQAAAAAAAAAzMzMAAAAAABQAAAAUAAAAGQAAABkAAAAAAAAABcAAAAUAAAAAAAAANwIAAD/fwAA/38AAAAAAAAJAAAABAAAAGYSAAAMAAAAEAAAAAAAAAAAAAAAAAAAAAAAAAAeAAAAaAAAAAAAAAAAAAAAAAAAAAAAAAAAAAAAECcAABAnAAAAAAAAAAAAAAAAAAAAAAAAAAAAAAAAAAAAAAAAAAAAABQAAAAAAAAAwMD/AAAAAABkAAAAMgAAAAAAAABkAAAAAAAAAH9/fwAKAAAAHwAAAFQAAAC74OMF////AQAAAAAAAAAAAAAAAAAAAAAAAAAAAAAAAAAAAAAAAAAAAAAAAn9/fwCAgIADzMzMAMDA/wB/f38AAAAAAAAAAAAAAAAAAAAAAAAAAAAhAAAAGAAAABQAAABqBAAA4QgAABY0AAAhCwAAECAAACYAAAAIAAAA//////////8="/>
+                <pr:smNativeData xmlns:pr="smNativeData" val="SMDATA_13_IrKAXRMAAAAlAAAAEgAAAE8BAAAAkAAAAEgAAACQAAAASAAAAAAAAAAAAAAAAAAAAAEAAABQAAAAAAAAAAAA4D8AAAAAAADgPwAAAAAAAOA/AAAAAAAA4D8AAAAAAADgPwAAAAAAAOA/AAAAAAAA4D8AAAAAAADgPwAAAAAAAOA/AAAAAAAA4D8CAAAAjAAAAAAAAAAAAAAAu+DjDP///wgAAAAAAAAAAAAAAAAAAAAAAAAAAAAAAAAAAAAAZAAAAAEAAABAAAAAAAAAAAAAAAAAAAAAAAAAAAAAAAAAAAAAAAAAAAAAAAAAAAAAAAAAAAAAAAAAAAAAAAAAAAAAAAAAAAAAAAAAAAAAAAAAAAAAAAAAAAAAAAAAAAAAFAAAADwAAAAAAAAAAAAAAAAAAAkUAAAAAQAAABQAAAAUAAAAFAAAAAEAAAAAAAAAZAAAAGQAAAAAAAAAZAAAAGQAAAAVAAAAYAAAAAAAAAAAAAAADwAAACADAAAAAAAAAAAAAAEAAACgMgAAVgcAAKr4//8BAAAAf39/AAEAAABkAAAAAAAAABQAAABAHwAAAAAAACYAAAAAAAAAwOD//wAAAAAmAAAAZAAAABYAAABMAAAAAAAAAAAAAAAEAAAAAAAAAAEAAACAgIAKAAAAACgAAAAoAAAAZAAAAGQAAAAAAAAAzMzMAAAAAABQAAAAUAAAAGQAAABkAAAAAAAAABcAAAAUAAAAAAAAANwIAAD/fwAA/38AAAAAAAAJAAAABAAAAGYSAAAMAAAAEAAAAAAAAAAAAAAAAAAAAAAAAAAeAAAAaAAAAAAAAAAAAAAAAAAAAAAAAAAAAAAAECcAABAnAAAAAAAAAAAAAAAAAAAAAAAAAAAAAAAAAAAAAAAAAAAAABQAAAAAAAAAwMD/AAAAAABkAAAAMgAAAAAAAABkAAAAAAAAAH9/fwAKAAAAHwAAAFQAAAC74OMF////AQAAAAAAAAAAAAAAAAAAAAAAAAAAAAAAAAAAAAAAAAAAAAAAAn9/fwCAgIADzMzMAMDA/wB/f38AAAAAAAAAAAAAAAAAAAAAAAAAAAAhAAAAGAAAABQAAABqBAAA4QgAABY0AAAhCwAAECAAACYAAAAIAAAA//////////8="/>
               </a:ext>
             </a:extLst>
           </p:cNvSpPr>
@@ -14748,7 +14762,7 @@
           <p:cNvSpPr txBox="1">
             <a:extLst>
               <a:ext uri="smNativeData">
-                <pr:smNativeData xmlns:pr="smNativeData" val="SMDATA_13_BbpsXRMAAAAlAAAAEgAAAE8BAAAAkAAAAEgAAACQAAAASAAAAAAAAAAAAAAAAAAAAAEAAABQAAAAAAAAAAAA4D8AAAAAAADgPwAAAAAAAOA/AAAAAAAA4D8AAAAAAADgPwAAAAAAAOA/AAAAAAAA4D8AAAAAAADgPwAAAAAAAOA/AAAAAAAA4D8CAAAAjAAAAAAAAAAAAAAAu+DjDP///wgAAAAAAAAAAAAAAAAAAAAAAAAAAAAAAAAAAAAAZAAAAAEAAABAAAAAAAAAAAAAAAAAAAAAAAAAAAAAAAAAAAAAAAAAAAAAAAAAAAAAAAAAAAAAAAAAAAAAAAAAAAAAAAAAAAAAAAAAAAAAAAAAAAAAAAAAAAAAAAAAAAAAFAAAADwAAAAAAAAAAAAAAAAAAAkUAAAAAQAAABQAAAAUAAAAFAAAAAEAAAAAAAAAZAAAAGQAAAAAAAAAZAAAAGQAAAAVAAAAYAAAAAAAAAAAAAAADwAAACADAAAAAAAAAAAAAAEAAACgMgAAVgcAAKr4//8BAAAAf39/AAEAAABkAAAAAAAAABQAAABAHwAAAAAAACYAAAAAAAAAwOD//wAAAAAmAAAAZAAAABYAAABMAAAAAAAAAAAAAAAEAAAAAAAAAAEAAACAgIAKAAAAACgAAAAoAAAAZAAAAGQAAAAAAAAAzMzMAAAAAABQAAAAUAAAAGQAAABkAAAAAAAAABcAAAAUAAAAAAAAANwIAAD/fwAA/38AAAAAAAAJAAAABAAAAAAAAAAMAAAAEAAAAAAAAAAAAAAAAAAAAAAAAAAeAAAAaAAAAAAAAAAAAAAAAAAAAAAAAAAAAAAAECcAABAnAAAAAAAAAAAAAAAAAAAAAAAAAAAAAAAAAAAAAAAAAAAAABQAAAAAAAAAwMD/AAAAAABkAAAAMgAAAAAAAABkAAAAAAAAAH9/fwAKAAAAHwAAAFQAAAC74OMF////AQAAAAAAAAAAAAAAAAAAAAAAAAAAAAAAAAAAAAAAAAAAAAAAAn9/fwCAgIADzMzMAMDA/wB/f38AAAAAAAAAAAAAAAAAAAAAAAAAAAAhAAAAGAAAABQAAACfBgAAkgsAABY0AADSDQAAECAAACYAAAAIAAAA//////////8="/>
+                <pr:smNativeData xmlns:pr="smNativeData" val="SMDATA_13_IrKAXRMAAAAlAAAAEgAAAE8BAAAAkAAAAEgAAACQAAAASAAAAAAAAAAAAAAAAAAAAAEAAABQAAAAAAAAAAAA4D8AAAAAAADgPwAAAAAAAOA/AAAAAAAA4D8AAAAAAADgPwAAAAAAAOA/AAAAAAAA4D8AAAAAAADgPwAAAAAAAOA/AAAAAAAA4D8CAAAAjAAAAAAAAAAAAAAAu+DjDP///wgAAAAAAAAAAAAAAAAAAAAAAAAAAAAAAAAAAAAAZAAAAAEAAABAAAAAAAAAAAAAAAAAAAAAAAAAAAAAAAAAAAAAAAAAAAAAAAAAAAAAAAAAAAAAAAAAAAAAAAAAAAAAAAAAAAAAAAAAAAAAAAAAAAAAAAAAAAAAAAAAAAAAFAAAADwAAAAAAAAAAAAAAAAAAAkUAAAAAQAAABQAAAAUAAAAFAAAAAEAAAAAAAAAZAAAAGQAAAAAAAAAZAAAAGQAAAAVAAAAYAAAAAAAAAAAAAAADwAAACADAAAAAAAAAAAAAAEAAACgMgAAVgcAAKr4//8BAAAAf39/AAEAAABkAAAAAAAAABQAAABAHwAAAAAAACYAAAAAAAAAwOD//wAAAAAmAAAAZAAAABYAAABMAAAAAAAAAAAAAAAEAAAAAAAAAAEAAACAgIAKAAAAACgAAAAoAAAAZAAAAGQAAAAAAAAAzMzMAAAAAABQAAAAUAAAAGQAAABkAAAAAAAAABcAAAAUAAAAAAAAANwIAAD/fwAA/38AAAAAAAAJAAAABAAAAAAAAAAMAAAAEAAAAAAAAAAAAAAAAAAAAAAAAAAeAAAAaAAAAAAAAAAAAAAAAAAAAAAAAAAAAAAAECcAABAnAAAAAAAAAAAAAAAAAAAAAAAAAAAAAAAAAAAAAAAAAAAAABQAAAAAAAAAwMD/AAAAAABkAAAAMgAAAAAAAABkAAAAAAAAAH9/fwAKAAAAHwAAAFQAAAC74OMF////AQAAAAAAAAAAAAAAAAAAAAAAAAAAAAAAAAAAAAAAAAAAAAAAAn9/fwCAgIADzMzMAMDA/wB/f38AAAAAAAAAAAAAAAAAAAAAAAAAAAAhAAAAGAAAABQAAACfBgAAkgsAABY0AADSDQAAECAAACYAAAAIAAAA//////////8="/>
               </a:ext>
             </a:extLst>
           </p:cNvSpPr>
@@ -14796,7 +14810,7 @@
           <p:cNvSpPr txBox="1">
             <a:extLst>
               <a:ext uri="smNativeData">
-                <pr:smNativeData xmlns:pr="smNativeData" val="SMDATA_13_BbpsXRMAAAAlAAAAEgAAAE8BAAAAkAAAAEgAAACQAAAASAAAAAAAAAAAAAAAAAAAAAEAAABQAAAAAAAAAAAA4D8AAAAAAADgPwAAAAAAAOA/AAAAAAAA4D8AAAAAAADgPwAAAAAAAOA/AAAAAAAA4D8AAAAAAADgPwAAAAAAAOA/AAAAAAAA4D8CAAAAjAAAAAAAAAAAAAAAu+DjDP///wgAAAAAAAAAAAAAAAAAAAAAAAAAAAAAAAAAAAAAZAAAAAEAAABAAAAAAAAAAAAAAAAAAAAAAAAAAAAAAAAAAAAAAAAAAAAAAAAAAAAAAAAAAAAAAAAAAAAAAAAAAAAAAAAAAAAAAAAAAAAAAAAAAAAAAAAAAAAAAAAAAAAAFAAAADwAAAAAAAAAAAAAAAAAAAkUAAAAAQAAABQAAAAUAAAAFAAAAAEAAAAAAAAAZAAAAGQAAAAAAAAAZAAAAGQAAAAVAAAAYAAAAAAAAAAAAAAADwAAACADAAAAAAAAAAAAAAEAAACgMgAAVgcAAKr4//8BAAAAf39/AAEAAABkAAAAAAAAABQAAABAHwAAAAAAACYAAAAAAAAAwOD//wAAAAAmAAAAZAAAABYAAABMAAAAAAAAAAAAAAAEAAAAAAAAAAEAAACAgIAKAAAAACgAAAAoAAAAZAAAAGQAAAAAAAAAzMzMAAAAAABQAAAAUAAAAGQAAABkAAAAAAAAABcAAAAUAAAAAAAAANwIAAD/fwAA/38AAAAAAAAJAAAABAAAAHBlPSIMAAAAEAAAAAAAAAAAAAAAAAAAAAAAAAAeAAAAaAAAAAAAAAAAAAAAAAAAAAAAAAAAAAAAECcAABAnAAAAAAAAAAAAAAAAAAAAAAAAAAAAAAAAAAAAAAAAAAAAABQAAAAAAAAAwMD/AAAAAABkAAAAMgAAAAAAAABkAAAAAAAAAH9/fwAKAAAAHwAAAFQAAAC74OMF////AQAAAAAAAAAAAAAAAAAAAAAAAAAAAAAAAAAAAAAAAAAAAAAAAn9/fwCAgIADzMzMAMDA/wB/f38AAAAAAAAAAAAAAAAAAAAAAAAAAAAhAAAAGAAAABQAAACfBgAAxw0AABY0AAAHEAAAECAAACYAAAAIAAAA//////////8="/>
+                <pr:smNativeData xmlns:pr="smNativeData" val="SMDATA_13_IrKAXRMAAAAlAAAAEgAAAE8BAAAAkAAAAEgAAACQAAAASAAAAAAAAAAAAAAAAAAAAAEAAABQAAAAAAAAAAAA4D8AAAAAAADgPwAAAAAAAOA/AAAAAAAA4D8AAAAAAADgPwAAAAAAAOA/AAAAAAAA4D8AAAAAAADgPwAAAAAAAOA/AAAAAAAA4D8CAAAAjAAAAAAAAAAAAAAAu+DjDP///wgAAAAAAAAAAAAAAAAAAAAAAAAAAAAAAAAAAAAAZAAAAAEAAABAAAAAAAAAAAAAAAAAAAAAAAAAAAAAAAAAAAAAAAAAAAAAAAAAAAAAAAAAAAAAAAAAAAAAAAAAAAAAAAAAAAAAAAAAAAAAAAAAAAAAAAAAAAAAAAAAAAAAFAAAADwAAAAAAAAAAAAAAAAAAAkUAAAAAQAAABQAAAAUAAAAFAAAAAEAAAAAAAAAZAAAAGQAAAAAAAAAZAAAAGQAAAAVAAAAYAAAAAAAAAAAAAAADwAAACADAAAAAAAAAAAAAAEAAACgMgAAVgcAAKr4//8BAAAAf39/AAEAAABkAAAAAAAAABQAAABAHwAAAAAAACYAAAAAAAAAwOD//wAAAAAmAAAAZAAAABYAAABMAAAAAAAAAAAAAAAEAAAAAAAAAAEAAACAgIAKAAAAACgAAAAoAAAAZAAAAGQAAAAAAAAAzMzMAAAAAABQAAAAUAAAAGQAAABkAAAAAAAAABcAAAAUAAAAAAAAANwIAAD/fwAA/38AAAAAAAAJAAAABAAAAHBlPSIMAAAAEAAAAAAAAAAAAAAAAAAAAAAAAAAeAAAAaAAAAAAAAAAAAAAAAAAAAAAAAAAAAAAAECcAABAnAAAAAAAAAAAAAAAAAAAAAAAAAAAAAAAAAAAAAAAAAAAAABQAAAAAAAAAwMD/AAAAAABkAAAAMgAAAAAAAABkAAAAAAAAAH9/fwAKAAAAHwAAAFQAAAC74OMF////AQAAAAAAAAAAAAAAAAAAAAAAAAAAAAAAAAAAAAAAAAAAAAAAAn9/fwCAgIADzMzMAMDA/wB/f38AAAAAAAAAAAAAAAAAAAAAAAAAAAAhAAAAGAAAABQAAACfBgAAxw0AABY0AAAHEAAAECAAACYAAAAIAAAA//////////8="/>
               </a:ext>
             </a:extLst>
           </p:cNvSpPr>
@@ -14842,7 +14856,7 @@
           <p:cNvSpPr txBox="1">
             <a:extLst>
               <a:ext uri="smNativeData">
-                <pr:smNativeData xmlns:pr="smNativeData" val="SMDATA_13_BbpsXRMAAAAlAAAAEgAAAE8BAAAAkAAAAEgAAACQAAAASAAAAAAAAAAAAAAAAAAAAAEAAABQAAAAAAAAAAAA4D8AAAAAAADgPwAAAAAAAOA/AAAAAAAA4D8AAAAAAADgPwAAAAAAAOA/AAAAAAAA4D8AAAAAAADgPwAAAAAAAOA/AAAAAAAA4D8CAAAAjAAAAAAAAAAAAAAAu+DjDP///wgAAAAAAAAAAAAAAAAAAAAAAAAAAAAAAAAAAAAAZAAAAAEAAABAAAAAAAAAAAAAAAAAAAAAAAAAAAAAAAAAAAAAAAAAAAAAAAAAAAAAAAAAAAAAAAAAAAAAAAAAAAAAAAAAAAAAAAAAAAAAAAAAAAAAAAAAAAAAAAAAAAAAFAAAADwAAAAAAAAAAAAAAAAAAAkUAAAAAQAAABQAAAAUAAAAFAAAAAEAAAAAAAAAZAAAAGQAAAAAAAAAZAAAAGQAAAAVAAAAYAAAAAAAAAAAAAAADwAAACADAAAAAAAAAAAAAAEAAACgMgAAVgcAAKr4//8BAAAAf39/AAEAAABkAAAAAAAAABQAAABAHwAAAAAAACYAAAAAAAAAwOD//wAAAAAmAAAAZAAAABYAAABMAAAAAAAAAAAAAAAEAAAAAAAAAAEAAACAgIAKAAAAACgAAAAoAAAAZAAAAGQAAAAAAAAAzMzMAAAAAABQAAAAUAAAAGQAAABkAAAAAAAAABcAAAAUAAAAAAAAANwIAAD/fwAA/38AAAAAAAAJAAAABAAAAPCptwMMAAAAEAAAAAAAAAAAAAAAAAAAAAAAAAAeAAAAaAAAAAAAAAAAAAAAAAAAAAAAAAAAAAAAECcAABAnAAAAAAAAAAAAAAAAAAAAAAAAAAAAAAAAAAAAAAAAAAAAABQAAAAAAAAAwMD/AAAAAABkAAAAMgAAAAAAAABkAAAAAAAAAH9/fwAKAAAAHwAAAFQAAAC74OMF////AQAAAAAAAAAAAAAAAAAAAAAAAAAAAAAAAAAAAAAAAAAAAAAAAn9/fwCAgIADzMzMAMDA/wB/f38AAAAAAAAAAAAAAAAAAAAAAAAAAAAhAAAAGAAAABQAAABqBAAA3hAAABY0AAAeEwAAECAAACYAAAAIAAAA//////////8="/>
+                <pr:smNativeData xmlns:pr="smNativeData" val="SMDATA_13_IrKAXRMAAAAlAAAAEgAAAE8BAAAAkAAAAEgAAACQAAAASAAAAAAAAAAAAAAAAAAAAAEAAABQAAAAAAAAAAAA4D8AAAAAAADgPwAAAAAAAOA/AAAAAAAA4D8AAAAAAADgPwAAAAAAAOA/AAAAAAAA4D8AAAAAAADgPwAAAAAAAOA/AAAAAAAA4D8CAAAAjAAAAAAAAAAAAAAAu+DjDP///wgAAAAAAAAAAAAAAAAAAAAAAAAAAAAAAAAAAAAAZAAAAAEAAABAAAAAAAAAAAAAAAAAAAAAAAAAAAAAAAAAAAAAAAAAAAAAAAAAAAAAAAAAAAAAAAAAAAAAAAAAAAAAAAAAAAAAAAAAAAAAAAAAAAAAAAAAAAAAAAAAAAAAFAAAADwAAAAAAAAAAAAAAAAAAAkUAAAAAQAAABQAAAAUAAAAFAAAAAEAAAAAAAAAZAAAAGQAAAAAAAAAZAAAAGQAAAAVAAAAYAAAAAAAAAAAAAAADwAAACADAAAAAAAAAAAAAAEAAACgMgAAVgcAAKr4//8BAAAAf39/AAEAAABkAAAAAAAAABQAAABAHwAAAAAAACYAAAAAAAAAwOD//wAAAAAmAAAAZAAAABYAAABMAAAAAAAAAAAAAAAEAAAAAAAAAAEAAACAgIAKAAAAACgAAAAoAAAAZAAAAGQAAAAAAAAAzMzMAAAAAABQAAAAUAAAAGQAAABkAAAAAAAAABcAAAAUAAAAAAAAANwIAAD/fwAA/38AAAAAAAAJAAAABAAAAPCptwMMAAAAEAAAAAAAAAAAAAAAAAAAAAAAAAAeAAAAaAAAAAAAAAAAAAAAAAAAAAAAAAAAAAAAECcAABAnAAAAAAAAAAAAAAAAAAAAAAAAAAAAAAAAAAAAAAAAAAAAABQAAAAAAAAAwMD/AAAAAABkAAAAMgAAAAAAAABkAAAAAAAAAH9/fwAKAAAAHwAAAFQAAAC74OMF////AQAAAAAAAAAAAAAAAAAAAAAAAAAAAAAAAAAAAAAAAAAAAAAAAn9/fwCAgIADzMzMAMDA/wB/f38AAAAAAAAAAAAAAAAAAAAAAAAAAAAhAAAAGAAAABQAAABqBAAA3hAAABY0AAAeEwAAECAAACYAAAAIAAAA//////////8="/>
               </a:ext>
             </a:extLst>
           </p:cNvSpPr>
@@ -14888,7 +14902,7 @@
           <p:cNvSpPr>
             <a:extLst>
               <a:ext uri="smNativeData">
-                <pr:smNativeData xmlns:pr="smNativeData" val="SMDATA_13_BbpsXRMAAAAlAAAAZAAAAA8BAAAAkAAAAEgAAACQAAAASAAAAAAAAAAAAAAAAAAAAAEAAABQAAAAAAAAAAAA4D8AAAAAAADgPwAAAAAAAOA/AAAAAAAA4D8AAAAAAADgPwAAAAAAAOA/AAAAAAAA4D8AAAAAAADgPwAAAAAAAOA/AAAAAAAA4D8CAAAAjAAAAAEAAAAAAAAAHh4eAP///wgAAAAAAAAAAAAAAAAAAAAAAAAAAAAAAAAAAAAAZAAAAAEAAABAAAAAAAAAAAAAAAAAAAAAAAAAAAAAAAAAAAAAAAAAAAAAAAAAAAAAAAAAAAAAAAAAAAAAAAAAAAAAAAAAAAAAAAAAAAAAAAAAAAAAAAAAAAAAAAAAAAAAFAAAADwAAAAAAAAAAAAAAAAAAAkAAAAAAQAAAAAAAAAAAAAAAAAAAAAAAAAAAAAAZAAAAGQAAAAAAAAAZAAAAGQAAAAVAAAAYAAAAAAAAAAAAAAADwAAACADAAAAAAAAAAAAAAEAAACgMgAAAAAAAAAAAAABAAAAf39/AAEAAABkAAAAAAAAABQAAABAHwAAAAAAACYAAAAAAAAAwOD//wAAAAAmAAAAZAAAABYAAABMAAAAAAAAAAAAAAAEAAAAAAAAAAEAAACAgIAKAAAAACgAAAAoAAAAZAAAAGQAAAAAAAAAzMzMAAAAAABQAAAAUAAAAGQAAABkAAAAAAAAABcAAAAUAAAAAAAAAAAAAAD/fwAA/38AAAAAAAAJAAAABAAAAAIAAAAMAAAAEAAAAAAAAAAAAAAAAAAAAAAAAAAeAAAAaAAAAAAAAAAAAAAAAAAAAAAAAAAAAAAAECcAABAnAAAAAAAAAAAAAAAAAAAAAAAAAAAAAAAAAAAAAAAAAAAAABQAAAAAAAAAwMD/AAAAAABkAAAAMgAAAAAAAABkAAAAAAAAAH9/fwAKAAAAHwAAAFQAAAAeHh4A////AQAAAAAAAAAAAAAAAAAAAAAAAAAAAAAAAAAAAAAAAAAAAAAAAn9/fwCAgIADzMzMAMDA/wB/f38AAAAAAAAAAAAAAAAAAAAAAAAAAAAhAAAAGAAAABQAAAAAAAAAZQcAAEA4AAC4CAAAEAAAACYAAAAIAAAA//////////8="/>
+                <pr:smNativeData xmlns:pr="smNativeData" val="SMDATA_13_IrKAXRMAAAAlAAAAZAAAAA8BAAAAkAAAAEgAAACQAAAASAAAAAAAAAAAAAAAAAAAAAEAAABQAAAAAAAAAAAA4D8AAAAAAADgPwAAAAAAAOA/AAAAAAAA4D8AAAAAAADgPwAAAAAAAOA/AAAAAAAA4D8AAAAAAADgPwAAAAAAAOA/AAAAAAAA4D8CAAAAjAAAAAEAAAAAAAAAHh4eAP///wgAAAAAAAAAAAAAAAAAAAAAAAAAAAAAAAAAAAAAZAAAAAEAAABAAAAAAAAAAAAAAAAAAAAAAAAAAAAAAAAAAAAAAAAAAAAAAAAAAAAAAAAAAAAAAAAAAAAAAAAAAAAAAAAAAAAAAAAAAAAAAAAAAAAAAAAAAAAAAAAAAAAAFAAAADwAAAAAAAAAAAAAAAAAAAkAAAAAAQAAAAAAAAAAAAAAAAAAAAAAAAAAAAAAZAAAAGQAAAAAAAAAZAAAAGQAAAAVAAAAYAAAAAAAAAAAAAAADwAAACADAAAAAAAAAAAAAAEAAACgMgAAAAAAAAAAAAABAAAAf39/AAEAAABkAAAAAAAAABQAAABAHwAAAAAAACYAAAAAAAAAwOD//wAAAAAmAAAAZAAAABYAAABMAAAAAAAAAAAAAAAEAAAAAAAAAAEAAACAgIAKAAAAACgAAAAoAAAAZAAAAGQAAAAAAAAAzMzMAAAAAABQAAAAUAAAAGQAAABkAAAAAAAAABcAAAAUAAAAAAAAAAAAAAD/fwAA/38AAAAAAAAJAAAABAAAAAIAAAAMAAAAEAAAAAAAAAAAAAAAAAAAAAAAAAAeAAAAaAAAAAAAAAAAAAAAAAAAAAAAAAAAAAAAECcAABAnAAAAAAAAAAAAAAAAAAAAAAAAAAAAAAAAAAAAAAAAAAAAABQAAAAAAAAAwMD/AAAAAABkAAAAMgAAAAAAAABkAAAAAAAAAH9/fwAKAAAAHwAAAFQAAAAeHh4A////AQAAAAAAAAAAAAAAAAAAAAAAAAAAAAAAAAAAAAAAAAAAAAAAAn9/fwCAgIADzMzMAMDA/wB/f38AAAAAAAAAAAAAAAAAAAAAAAAAAAAhAAAAGAAAABQAAAAAAAAAZQcAAEA4AAC4CAAAEAAAACYAAAAIAAAA//////////8="/>
               </a:ext>
             </a:extLst>
           </p:cNvSpPr>
@@ -14917,7 +14931,7 @@
           <p:cNvSpPr txBox="1">
             <a:extLst>
               <a:ext uri="smNativeData">
-                <pr:smNativeData xmlns:pr="smNativeData" val="SMDATA_13_BbpsXRMAAAAlAAAAEgAAAE8BAAAAkAAAAEgAAACQAAAASAAAAAAAAAAAAAAAAAAAAAEAAABQAAAAAAAAAAAA4D8AAAAAAADgPwAAAAAAAOA/AAAAAAAA4D8AAAAAAADgPwAAAAAAAOA/AAAAAAAA4D8AAAAAAADgPwAAAAAAAOA/AAAAAAAA4D8CAAAAjAAAAAAAAAAAAAAAu+DjDP///wgAAAAAAAAAAAAAAAAAAAAAAAAAAAAAAAAAAAAAZAAAAAEAAABAAAAAAAAAAAAAAAAAAAAAAAAAAAAAAAAAAAAAAAAAAAAAAAAAAAAAAAAAAAAAAAAAAAAAAAAAAAAAAAAAAAAAAAAAAAAAAAAAAAAAAAAAAAAAAAAAAAAAFAAAADwAAAAAAAAAAAAAAAAAAAkUAAAAAQAAABQAAAAUAAAAFAAAAAEAAAAAAAAAZAAAAGQAAAAAAAAAZAAAAGQAAAAVAAAAYAAAAAAAAAAAAAAADwAAACADAAAAAAAAAAAAAAEAAACgMgAAVgcAAKr4//8BAAAAf39/AAEAAABkAAAAAAAAABQAAABAHwAAAAAAACYAAAAAAAAAwOD//wAAAAAmAAAAZAAAABYAAABMAAAAAAAAAAAAAAAEAAAAAAAAAAEAAACAgIAKAAAAACgAAAAoAAAAZAAAAGQAAAAAAAAAzMzMAAAAAABQAAAAUAAAAGQAAABkAAAAAAAAABcAAAAUAAAAAAAAANwIAAD/fwAA/38AAAAAAAAJAAAABAAAAGxyIHYMAAAAEAAAAAAAAAAAAAAAAAAAAAAAAAAeAAAAaAAAAAAAAAAAAAAAAAAAAAAAAAAAAAAAECcAABAnAAAAAAAAAAAAAAAAAAAAAAAAAAAAAAAAAAAAAAAAAAAAABQAAAAAAAAAwMD/AAAAAABkAAAAMgAAAAAAAABkAAAAAAAAAH9/fwAKAAAAHwAAAFQAAAC74OMF////AQAAAAAAAAAAAAAAAAAAAAAAAAAAAAAAAAAAAAAAAAAAAAAAAn9/fwCAgIADzMzMAMDA/wB/f38AAAAAAAAAAAAAAAAAAAAAAAAAAAAhAAAAGAAAABQAAABqBAAAbBMAABY0AACsFQAAECAAACYAAAAIAAAA//////////8="/>
+                <pr:smNativeData xmlns:pr="smNativeData" val="SMDATA_13_IrKAXRMAAAAlAAAAEgAAAE8BAAAAkAAAAEgAAACQAAAASAAAAAAAAAAAAAAAAAAAAAEAAABQAAAAAAAAAAAA4D8AAAAAAADgPwAAAAAAAOA/AAAAAAAA4D8AAAAAAADgPwAAAAAAAOA/AAAAAAAA4D8AAAAAAADgPwAAAAAAAOA/AAAAAAAA4D8CAAAAjAAAAAAAAAAAAAAAu+DjDP///wgAAAAAAAAAAAAAAAAAAAAAAAAAAAAAAAAAAAAAZAAAAAEAAABAAAAAAAAAAAAAAAAAAAAAAAAAAAAAAAAAAAAAAAAAAAAAAAAAAAAAAAAAAAAAAAAAAAAAAAAAAAAAAAAAAAAAAAAAAAAAAAAAAAAAAAAAAAAAAAAAAAAAFAAAADwAAAAAAAAAAAAAAAAAAAkUAAAAAQAAABQAAAAUAAAAFAAAAAEAAAAAAAAAZAAAAGQAAAAAAAAAZAAAAGQAAAAVAAAAYAAAAAAAAAAAAAAADwAAACADAAAAAAAAAAAAAAEAAACgMgAAVgcAAKr4//8BAAAAf39/AAEAAABkAAAAAAAAABQAAABAHwAAAAAAACYAAAAAAAAAwOD//wAAAAAmAAAAZAAAABYAAABMAAAAAAAAAAAAAAAEAAAAAAAAAAEAAACAgIAKAAAAACgAAAAoAAAAZAAAAGQAAAAAAAAAzMzMAAAAAABQAAAAUAAAAGQAAABkAAAAAAAAABcAAAAUAAAAAAAAANwIAAD/fwAA/38AAAAAAAAJAAAABAAAAGxyIHYMAAAAEAAAAAAAAAAAAAAAAAAAAAAAAAAeAAAAaAAAAAAAAAAAAAAAAAAAAAAAAAAAAAAAECcAABAnAAAAAAAAAAAAAAAAAAAAAAAAAAAAAAAAAAAAAAAAAAAAABQAAAAAAAAAwMD/AAAAAABkAAAAMgAAAAAAAABkAAAAAAAAAH9/fwAKAAAAHwAAAFQAAAC74OMF////AQAAAAAAAAAAAAAAAAAAAAAAAAAAAAAAAAAAAAAAAAAAAAAAAn9/fwCAgIADzMzMAMDA/wB/f38AAAAAAAAAAAAAAAAAAAAAAAAAAAAhAAAAGAAAABQAAABqBAAAbBMAABY0AACsFQAAECAAACYAAAAIAAAA//////////8="/>
               </a:ext>
             </a:extLst>
           </p:cNvSpPr>
@@ -14965,7 +14979,7 @@
           <p:cNvSpPr txBox="1">
             <a:extLst>
               <a:ext uri="smNativeData">
-                <pr:smNativeData xmlns:pr="smNativeData" val="SMDATA_13_BbpsXRMAAAAlAAAAEgAAAE8BAAAAkAAAAEgAAACQAAAASAAAAAAAAAAAAAAAAAAAAAEAAABQAAAAAAAAAAAA4D8AAAAAAADgPwAAAAAAAOA/AAAAAAAA4D8AAAAAAADgPwAAAAAAAOA/AAAAAAAA4D8AAAAAAADgPwAAAAAAAOA/AAAAAAAA4D8CAAAAjAAAAAAAAAAAAAAAu+DjDP///wgAAAAAAAAAAAAAAAAAAAAAAAAAAAAAAAAAAAAAZAAAAAEAAABAAAAAAAAAAAAAAAAAAAAAAAAAAAAAAAAAAAAAAAAAAAAAAAAAAAAAAAAAAAAAAAAAAAAAAAAAAAAAAAAAAAAAAAAAAAAAAAAAAAAAAAAAAAAAAAAAAAAAFAAAADwAAAAAAAAAAAAAAAAAAAkUAAAAAQAAABQAAAAUAAAAFAAAAAEAAAAAAAAAZAAAAGQAAAAAAAAAZAAAAGQAAAAVAAAAYAAAAAAAAAAAAAAADwAAACADAAAAAAAAAAAAAAEAAACgMgAAVgcAAKr4//8BAAAAf39/AAEAAABkAAAAAAAAABQAAABAHwAAAAAAACYAAAAAAAAAwOD//wAAAAAmAAAAZAAAABYAAABMAAAAAAAAAAAAAAAEAAAAAAAAAAEAAACAgIAKAAAAACgAAAAoAAAAZAAAAGQAAAAAAAAAzMzMAAAAAABQAAAAUAAAAGQAAABkAAAAAAAAABcAAAAUAAAAAAAAANwIAAD/fwAA/38AAAAAAAAJAAAABAAAAHlsZT4MAAAAEAAAAAAAAAAAAAAAAAAAAAAAAAAeAAAAaAAAAAAAAAAAAAAAAAAAAAAAAAAAAAAAECcAABAnAAAAAAAAAAAAAAAAAAAAAAAAAAAAAAAAAAAAAAAAAAAAABQAAAAAAAAAwMD/AAAAAABkAAAAMgAAAAAAAABkAAAAAAAAAH9/fwAKAAAAHwAAAFQAAAC74OMF////AQAAAAAAAAAAAAAAAAAAAAAAAAAAAAAAAAAAAAAAAAAAAAAAAn9/fwCAgIADzMzMAMDA/wB/f38AAAAAAAAAAAAAAAAAAAAAAAAAAAAhAAAAGAAAABQAAACfBgAA4BUAABY0AAAgGAAAECAAACYAAAAIAAAA//////////8="/>
+                <pr:smNativeData xmlns:pr="smNativeData" val="SMDATA_13_IrKAXRMAAAAlAAAAEgAAAE8BAAAAkAAAAEgAAACQAAAASAAAAAAAAAAAAAAAAAAAAAEAAABQAAAAAAAAAAAA4D8AAAAAAADgPwAAAAAAAOA/AAAAAAAA4D8AAAAAAADgPwAAAAAAAOA/AAAAAAAA4D8AAAAAAADgPwAAAAAAAOA/AAAAAAAA4D8CAAAAjAAAAAAAAAAAAAAAu+DjDP///wgAAAAAAAAAAAAAAAAAAAAAAAAAAAAAAAAAAAAAZAAAAAEAAABAAAAAAAAAAAAAAAAAAAAAAAAAAAAAAAAAAAAAAAAAAAAAAAAAAAAAAAAAAAAAAAAAAAAAAAAAAAAAAAAAAAAAAAAAAAAAAAAAAAAAAAAAAAAAAAAAAAAAFAAAADwAAAAAAAAAAAAAAAAAAAkUAAAAAQAAABQAAAAUAAAAFAAAAAEAAAAAAAAAZAAAAGQAAAAAAAAAZAAAAGQAAAAVAAAAYAAAAAAAAAAAAAAADwAAACADAAAAAAAAAAAAAAEAAACgMgAAVgcAAKr4//8BAAAAf39/AAEAAABkAAAAAAAAABQAAABAHwAAAAAAACYAAAAAAAAAwOD//wAAAAAmAAAAZAAAABYAAABMAAAAAAAAAAAAAAAEAAAAAAAAAAEAAACAgIAKAAAAACgAAAAoAAAAZAAAAGQAAAAAAAAAzMzMAAAAAABQAAAAUAAAAGQAAABkAAAAAAAAABcAAAAUAAAAAAAAANwIAAD/fwAA/38AAAAAAAAJAAAABAAAAHlsZT4MAAAAEAAAAAAAAAAAAAAAAAAAAAAAAAAeAAAAaAAAAAAAAAAAAAAAAAAAAAAAAAAAAAAAECcAABAnAAAAAAAAAAAAAAAAAAAAAAAAAAAAAAAAAAAAAAAAAAAAABQAAAAAAAAAwMD/AAAAAABkAAAAMgAAAAAAAABkAAAAAAAAAH9/fwAKAAAAHwAAAFQAAAC74OMF////AQAAAAAAAAAAAAAAAAAAAAAAAAAAAAAAAAAAAAAAAAAAAAAAAn9/fwCAgIADzMzMAMDA/wB/f38AAAAAAAAAAAAAAAAAAAAAAAAAAAAhAAAAGAAAABQAAACfBgAA4BUAABY0AAAgGAAAECAAACYAAAAIAAAA//////////8="/>
               </a:ext>
             </a:extLst>
           </p:cNvSpPr>
@@ -15051,7 +15065,7 @@
           <p:cNvSpPr>
             <a:extLst>
               <a:ext uri="smNativeData">
-                <pr:smNativeData xmlns:pr="smNativeData" val="SMDATA_13_BbpsXRMAAAAlAAAAZAAAAA8BAAAAkAAAAEgAAACQAAAASAAAAAAAAAABAAAAAAAAAAEAAABQAAAAAAAAAAAA4D8AAAAAAADgPwAAAAAAAOA/AAAAAAAA4D8AAAAAAADgPwAAAAAAAOA/AAAAAAAA4D8AAAAAAADgPwAAAAAAAOA/AAAAAAAA4D8CAAAAjAAAAAAAAAAAAAAAu+DjDP///wgAAAAAAAAAAAAAAAAAAAAAAAAAAAAAAAAAAAAAZAAAAAEAAABAAAAAAAAAAAAAAAAAAAAAAAAAAAAAAAAAAAAAAAAAAAAAAAAAAAAAAAAAAAAAAAAAAAAAAAAAAAAAAAAAAAAAAAAAAAAAAAAAAAAAAAAAAAAAAAAAAAAAFAAAADwAAAAAAAAAAAAAAAAAAAkUAAAAAQAAABQAAAAUAAAAFAAAAAEAAAAAAAAAZAAAAGQAAAAAAAAAZAAAAGQAAAAVAAAAYAAAAAAAAAAAAAAADwAAACADAAAAAAAAAAAAAAEAAACgMgAAVgcAAKr4//8BAAAAf39/AAEAAABkAAAAAAAAABQAAABAHwAAAAAAACYAAAAAAAAAwOD//wAAAAAmAAAAZAAAABYAAABMAAAAAAAAAAAAAAAEAAAAAAAAAAEAAACAgIAKAAAAACgAAAAoAAAAZAAAAGQAAAAAAAAAzMzMAAAAAABQAAAAUAAAAGQAAABkAAAAAAAAABcAAAAUAAAAAAAAAAAAAAD/fwAA/38AAAAAAAAJAAAABAAAAAAAAAAMAAAAEAAAAAAAAAAAAAAAAAAAAAAAAAAeAAAAaAAAAAAAAAAAAAAAAAAAAAAAAAAAAAAAECcAABAnAAAAAAAAAAAAAAAAAAAAAAAAAAAAAAAAAAAAAAAAAAAAABQAAAAAAAAAwMD/AAAAAABkAAAAMgAAAAAAAABkAAAAAAAAAH9/fwAKAAAAHwAAAFQAAAC74OMF////AQAAAAAAAAAAAAAAAAAAAAAAAAAAAAAAAAAAAAAAAAAAAAAAAn9/fwCAgIADzMzMAMDA/wB/f38AAAAAAAAAAAAAAAAAAAAAAAAAAAAhAAAAGAAAABQAAABqBAAAiAMAABY0AAAoBwAAEAAAACYAAAAIAAAA//////////8="/>
+                <pr:smNativeData xmlns:pr="smNativeData" val="SMDATA_13_IrKAXRMAAAAlAAAAZAAAAA8BAAAAkAAAAEgAAACQAAAASAAAAAAAAAABAAAAAAAAAAEAAABQAAAAAAAAAAAA4D8AAAAAAADgPwAAAAAAAOA/AAAAAAAA4D8AAAAAAADgPwAAAAAAAOA/AAAAAAAA4D8AAAAAAADgPwAAAAAAAOA/AAAAAAAA4D8CAAAAjAAAAAAAAAAAAAAAu+DjDP///wgAAAAAAAAAAAAAAAAAAAAAAAAAAAAAAAAAAAAAZAAAAAEAAABAAAAAAAAAAAAAAAAAAAAAAAAAAAAAAAAAAAAAAAAAAAAAAAAAAAAAAAAAAAAAAAAAAAAAAAAAAAAAAAAAAAAAAAAAAAAAAAAAAAAAAAAAAAAAAAAAAAAAFAAAADwAAAAAAAAAAAAAAAAAAAkUAAAAAQAAABQAAAAUAAAAFAAAAAEAAAAAAAAAZAAAAGQAAAAAAAAAZAAAAGQAAAAVAAAAYAAAAAAAAAAAAAAADwAAACADAAAAAAAAAAAAAAEAAACgMgAAVgcAAKr4//8BAAAAf39/AAEAAABkAAAAAAAAABQAAABAHwAAAAAAACYAAAAAAAAAwOD//wAAAAAmAAAAZAAAABYAAABMAAAAAAAAAAAAAAAEAAAAAAAAAAEAAACAgIAKAAAAACgAAAAoAAAAZAAAAGQAAAAAAAAAzMzMAAAAAABQAAAAUAAAAGQAAABkAAAAAAAAABcAAAAUAAAAAAAAAAAAAAD/fwAA/38AAAAAAAAJAAAABAAAAAAAAAAMAAAAEAAAAAAAAAAAAAAAAAAAAAAAAAAeAAAAaAAAAAAAAAAAAAAAAAAAAAAAAAAAAAAAECcAABAnAAAAAAAAAAAAAAAAAAAAAAAAAAAAAAAAAAAAAAAAAAAAABQAAAAAAAAAwMD/AAAAAABkAAAAMgAAAAAAAABkAAAAAAAAAH9/fwAKAAAAHwAAAFQAAAC74OMF////AQAAAAAAAAAAAAAAAAAAAAAAAAAAAAAAAAAAAAAAAAAAAAAAAn9/fwCAgIADzMzMAMDA/wB/f38AAAAAAAAAAAAAAAAAAAAAAAAAAAAhAAAAGAAAABQAAABqBAAAiAMAABY0AAAoBwAAEAAAACYAAAAIAAAA//////////8="/>
               </a:ext>
             </a:extLst>
           </p:cNvSpPr>
@@ -15097,7 +15111,7 @@
           <p:cNvSpPr txBox="1">
             <a:extLst>
               <a:ext uri="smNativeData">
-                <pr:smNativeData xmlns:pr="smNativeData" val="SMDATA_13_BbpsXRMAAAAlAAAAEgAAAE8BAAAAkAAAAEgAAACQAAAASAAAAAAAAAAAAAAAAAAAAAEAAABQAAAAAAAAAAAA4D8AAAAAAADgPwAAAAAAAOA/AAAAAAAA4D8AAAAAAADgPwAAAAAAAOA/AAAAAAAA4D8AAAAAAADgPwAAAAAAAOA/AAAAAAAA4D8CAAAAjAAAAAAAAAAAAAAAu+DjDP///wgAAAAAAAAAAAAAAAAAAAAAAAAAAAAAAAAAAAAAZAAAAAEAAABAAAAAAAAAAAAAAAAAAAAAAAAAAAAAAAAAAAAAAAAAAAAAAAAAAAAAAAAAAAAAAAAAAAAAAAAAAAAAAAAAAAAAAAAAAAAAAAAAAAAAAAAAAAAAAAAAAAAAFAAAADwAAAAAAAAAAAAAAAAAAAkUAAAAAQAAABQAAAAUAAAAFAAAAAEAAAAAAAAAZAAAAGQAAAAAAAAAZAAAAGQAAAAVAAAAYAAAAAAAAAAAAAAADwAAACADAAAAAAAAAAAAAAEAAACgMgAAVgcAAKr4//8BAAAAf39/AAEAAABkAAAAAAAAABQAAABAHwAAAAAAACYAAAAAAAAAwOD//wAAAAAmAAAAZAAAABYAAABMAAAAAAAAAAAAAAAEAAAAAAAAAAEAAACAgIAKAAAAACgAAAAoAAAAZAAAAGQAAAAAAAAAzMzMAAAAAABQAAAAUAAAAGQAAABkAAAAAAAAABcAAAAUAAAAAAAAANwIAAD/fwAA/38AAAAAAAAJAAAABAAAAAAAAAAMAAAAEAAAAAAAAAAAAAAAAAAAAAAAAAAeAAAAaAAAAAAAAAAAAAAAAAAAAAAAAAAAAAAAECcAABAnAAAAAAAAAAAAAAAAAAAAAAAAAAAAAAAAAAAAAAAAAAAAABQAAAAAAAAAwMD/AAAAAABkAAAAMgAAAAAAAABkAAAAAAAAAH9/fwAKAAAAHwAAAFQAAAC74OMF////AQAAAAAAAAAAAAAAAAAAAAAAAAAAAAAAAAAAAAAAAAAAAAAAAn9/fwCAgIADzMzMAMDA/wB/f38AAAAAAAAAAAAAAAAAAAAAAAAAAAAhAAAAGAAAABQAAABqBAAA5wcAABY0AAAnCgAAECAAACYAAAAIAAAA//////////8="/>
+                <pr:smNativeData xmlns:pr="smNativeData" val="SMDATA_13_IrKAXRMAAAAlAAAAEgAAAE8BAAAAkAAAAEgAAACQAAAASAAAAAAAAAAAAAAAAAAAAAEAAABQAAAAAAAAAAAA4D8AAAAAAADgPwAAAAAAAOA/AAAAAAAA4D8AAAAAAADgPwAAAAAAAOA/AAAAAAAA4D8AAAAAAADgPwAAAAAAAOA/AAAAAAAA4D8CAAAAjAAAAAAAAAAAAAAAu+DjDP///wgAAAAAAAAAAAAAAAAAAAAAAAAAAAAAAAAAAAAAZAAAAAEAAABAAAAAAAAAAAAAAAAAAAAAAAAAAAAAAAAAAAAAAAAAAAAAAAAAAAAAAAAAAAAAAAAAAAAAAAAAAAAAAAAAAAAAAAAAAAAAAAAAAAAAAAAAAAAAAAAAAAAAFAAAADwAAAAAAAAAAAAAAAAAAAkUAAAAAQAAABQAAAAUAAAAFAAAAAEAAAAAAAAAZAAAAGQAAAAAAAAAZAAAAGQAAAAVAAAAYAAAAAAAAAAAAAAADwAAACADAAAAAAAAAAAAAAEAAACgMgAAVgcAAKr4//8BAAAAf39/AAEAAABkAAAAAAAAABQAAABAHwAAAAAAACYAAAAAAAAAwOD//wAAAAAmAAAAZAAAABYAAABMAAAAAAAAAAAAAAAEAAAAAAAAAAEAAACAgIAKAAAAACgAAAAoAAAAZAAAAGQAAAAAAAAAzMzMAAAAAABQAAAAUAAAAGQAAABkAAAAAAAAABcAAAAUAAAAAAAAANwIAAD/fwAA/38AAAAAAAAJAAAABAAAAAAAAAAMAAAAEAAAAAAAAAAAAAAAAAAAAAAAAAAeAAAAaAAAAAAAAAAAAAAAAAAAAAAAAAAAAAAAECcAABAnAAAAAAAAAAAAAAAAAAAAAAAAAAAAAAAAAAAAAAAAAAAAABQAAAAAAAAAwMD/AAAAAABkAAAAMgAAAAAAAABkAAAAAAAAAH9/fwAKAAAAHwAAAFQAAAC74OMF////AQAAAAAAAAAAAAAAAAAAAAAAAAAAAAAAAAAAAAAAAAAAAAAAAn9/fwCAgIADzMzMAMDA/wB/f38AAAAAAAAAAAAAAAAAAAAAAAAAAAAhAAAAGAAAABQAAABqBAAA5wcAABY0AAAnCgAAECAAACYAAAAIAAAA//////////8="/>
               </a:ext>
             </a:extLst>
           </p:cNvSpPr>
@@ -15212,7 +15226,7 @@
                 </a:tc>
                 <a:extLst>
                   <a:ext uri="smNativeData">
-                    <pr:rowheight xmlns="" xmlns:pr="smNativeData" dt="1567406597" type="min" val="661035"/>
+                    <pr:rowheight xmlns="" xmlns:pr="smNativeData" dt="1568715298" type="min" val="661035"/>
                   </a:ext>
                 </a:extLst>
               </a:tr>
@@ -15273,7 +15287,7 @@
                 </a:tc>
                 <a:extLst>
                   <a:ext uri="smNativeData">
-                    <pr:rowheight xmlns="" xmlns:pr="smNativeData" dt="1567406597" type="min" val="1014730"/>
+                    <pr:rowheight xmlns="" xmlns:pr="smNativeData" dt="1568715298" type="min" val="1014730"/>
                   </a:ext>
                 </a:extLst>
               </a:tr>
@@ -15374,7 +15388,7 @@
                 </a:tc>
                 <a:extLst>
                   <a:ext uri="smNativeData">
-                    <pr:rowheight xmlns="" xmlns:pr="smNativeData" dt="1567406597" type="min" val="1268095"/>
+                    <pr:rowheight xmlns="" xmlns:pr="smNativeData" dt="1568715298" type="min" val="1268095"/>
                   </a:ext>
                 </a:extLst>
               </a:tr>
@@ -15388,7 +15402,7 @@
           <p:cNvSpPr txBox="1">
             <a:extLst>
               <a:ext uri="smNativeData">
-                <pr:smNativeData xmlns:pr="smNativeData" val="SMDATA_13_BbpsXRMAAAAlAAAAEgAAAE8BAAAAkAAAAEgAAACQAAAASAAAAAAAAAAAAAAAAAAAAAEAAABQAAAAAAAAAAAA4D8AAAAAAADgPwAAAAAAAOA/AAAAAAAA4D8AAAAAAADgPwAAAAAAAOA/AAAAAAAA4D8AAAAAAADgPwAAAAAAAOA/AAAAAAAA4D8CAAAAjAAAAAEAAAAAAAAAhlHdAP///wgAAAAAAAAAAAAAAAAAAAAAAAAAAAAAAAAAAAAAZAAAAAEAAABAAAAAAAAAAAAAAAAAAAAAAAAAAAAAAAAAAAAAAAAAAAAAAAAAAAAAAAAAAAAAAAAAAAAAAAAAAAAAAAAAAAAAAAAAAAAAAAAAAAAAAAAAAAAAAAAAAAAAFAAAADwAAAAAAAAAAAAAAAAAAAkUAAAAAQAAABQAAAAUAAAAFAAAAAEAAAAAAAAAZAAAAGQAAAAAAAAAZAAAAGQAAAAVAAAAYAAAAAAAAAAAAAAADwAAACADAAAAAAAAAAAAAAEAAACgMgAAAAAAAAAAAAABAAAAf39/AAEAAABkAAAAAAAAABQAAABAHwAAAAAAACYAAAAAAAAAwOD//wAAAAAmAAAAZAAAABYAAABMAAAAAAAAAAAAAAAEAAAAAAAAAAEAAACAgIAKAAAAACgAAAAoAAAAZAAAAGQAAAAAAAAAzMzMAAAAAABQAAAAUAAAAGQAAABkAAAAAAAAABcAAAAUAAAAAAAAANwIAAD/fwAA/38AAAAAAAAJAAAABAAAAGkAYwAMAAAAEAAAAAAAAAAAAAAAAAAAAAAAAAAeAAAAaAAAAAAAAAAAAAAAAAAAAAAAAAAAAAAAECcAABAnAAAAAAAAAAAAAAAAAAAAAAAAAAAAAAAAAAAAAAAAAAAAABQAAAAAAAAAwMD/AAAAAABkAAAAMgAAAAAAAABkAAAAAAAAAH9/fwAKAAAAHwAAAFQAAACGUd0A////AQAAAAAAAAAAAAAAAAAAAAAAAAAAAAAAAAAAAAAAAAAAAAAAAn9/fwCAgIADzMzMAMDA/wB/f38AAAAAAAAAAAAAAAAAAAAAAAAAAAAhAAAAGAAAABQAAAD0BQAAhg4AALkLAADGEAAAECAAACYAAAAIAAAA//////////8="/>
+                <pr:smNativeData xmlns:pr="smNativeData" val="SMDATA_13_IrKAXRMAAAAlAAAAEgAAAE8BAAAAkAAAAEgAAACQAAAASAAAAAAAAAAAAAAAAAAAAAEAAABQAAAAAAAAAAAA4D8AAAAAAADgPwAAAAAAAOA/AAAAAAAA4D8AAAAAAADgPwAAAAAAAOA/AAAAAAAA4D8AAAAAAADgPwAAAAAAAOA/AAAAAAAA4D8CAAAAjAAAAAEAAAAAAAAAhlHdAP///wgAAAAAAAAAAAAAAAAAAAAAAAAAAAAAAAAAAAAAZAAAAAEAAABAAAAAAAAAAAAAAAAAAAAAAAAAAAAAAAAAAAAAAAAAAAAAAAAAAAAAAAAAAAAAAAAAAAAAAAAAAAAAAAAAAAAAAAAAAAAAAAAAAAAAAAAAAAAAAAAAAAAAFAAAADwAAAAAAAAAAAAAAAAAAAkUAAAAAQAAABQAAAAUAAAAFAAAAAEAAAAAAAAAZAAAAGQAAAAAAAAAZAAAAGQAAAAVAAAAYAAAAAAAAAAAAAAADwAAACADAAAAAAAAAAAAAAEAAACgMgAAAAAAAAAAAAABAAAAf39/AAEAAABkAAAAAAAAABQAAABAHwAAAAAAACYAAAAAAAAAwOD//wAAAAAmAAAAZAAAABYAAABMAAAAAAAAAAAAAAAEAAAAAAAAAAEAAACAgIAKAAAAACgAAAAoAAAAZAAAAGQAAAAAAAAAzMzMAAAAAABQAAAAUAAAAGQAAABkAAAAAAAAABcAAAAUAAAAAAAAANwIAAD/fwAA/38AAAAAAAAJAAAABAAAAGkAYwAMAAAAEAAAAAAAAAAAAAAAAAAAAAAAAAAeAAAAaAAAAAAAAAAAAAAAAAAAAAAAAAAAAAAAECcAABAnAAAAAAAAAAAAAAAAAAAAAAAAAAAAAAAAAAAAAAAAAAAAABQAAAAAAAAAwMD/AAAAAABkAAAAMgAAAAAAAABkAAAAAAAAAH9/fwAKAAAAHwAAAFQAAACGUd0A////AQAAAAAAAAAAAAAAAAAAAAAAAAAAAAAAAAAAAAAAAAAAAAAAAn9/fwCAgIADzMzMAMDA/wB/f38AAAAAAAAAAAAAAAAAAAAAAAAAAAAhAAAAGAAAABQAAAD0BQAAhg4AALkLAADGEAAAECAAACYAAAAIAAAA//////////8="/>
               </a:ext>
             </a:extLst>
           </p:cNvSpPr>
@@ -15433,7 +15447,7 @@
           <p:cNvSpPr txBox="1">
             <a:extLst>
               <a:ext uri="smNativeData">
-                <pr:smNativeData xmlns:pr="smNativeData" val="SMDATA_13_BbpsXRMAAAAlAAAAEgAAAE8BAAAAkAAAAEgAAACQAAAASAAAAAAAAAAAAAAAAAAAAAEAAABQAAAAAAAAAAAA4D8AAAAAAADgPwAAAAAAAOA/AAAAAAAA4D8AAAAAAADgPwAAAAAAAOA/AAAAAAAA4D8AAAAAAADgPwAAAAAAAOA/AAAAAAAA4D8CAAAAjAAAAAEAAAAAAAAAhlHdAP///wgAAAAAAAAAAAAAAAAAAAAAAAAAAAAAAAAAAAAAZAAAAAEAAABAAAAAAAAAAAAAAAAAAAAAAAAAAAAAAAAAAAAAAAAAAAAAAAAAAAAAAAAAAAAAAAAAAAAAAAAAAAAAAAAAAAAAAAAAAAAAAAAAAAAAAAAAAAAAAAAAAAAAFAAAADwAAAAAAAAAAAAAAAAAAAkUAAAAAQAAABQAAAAUAAAAFAAAAAEAAAAAAAAAZAAAAGQAAAAAAAAAZAAAAGQAAAAVAAAAYAAAAAAAAAAAAAAADwAAACADAAAAAAAAAAAAAAEAAACgMgAAAAAAAAAAAAABAAAAf39/AAEAAABkAAAAAAAAABQAAABAHwAAAAAAACYAAAAAAAAAwOD//wAAAAAmAAAAZAAAABYAAABMAAAAAAAAAAAAAAAEAAAAAAAAAAEAAACAgIAKAAAAACgAAAAoAAAAZAAAAGQAAAAAAAAAzMzMAAAAAABQAAAAUAAAAGQAAABkAAAAAAAAABcAAAAUAAAAAAAAANwIAAD/fwAA/38AAAAAAAAJAAAABAAAAAAAAAAMAAAAEAAAAAAAAAAAAAAAAAAAAAAAAAAeAAAAaAAAAAAAAAAAAAAAAAAAAAAAAAAAAAAAECcAABAnAAAAAAAAAAAAAAAAAAAAAAAAAAAAAAAAAAAAAAAAAAAAABQAAAAAAAAAwMD/AAAAAABkAAAAMgAAAAAAAABkAAAAAAAAAH9/fwAKAAAAHwAAAFQAAACGUd0A////AQAAAAAAAAAAAAAAAAAAAAAAAAAAAAAAAAAAAAAAAAAAAAAAAn9/fwCAgIADzMzMAMDA/wB/f38AAAAAAAAAAAAAAAAAAAAAAAAAAAAhAAAAGAAAABQAAABQEgAAhg4AABUYAADGEAAAECAAACYAAAAIAAAA//////////8="/>
+                <pr:smNativeData xmlns:pr="smNativeData" val="SMDATA_13_IrKAXRMAAAAlAAAAEgAAAE8BAAAAkAAAAEgAAACQAAAASAAAAAAAAAAAAAAAAAAAAAEAAABQAAAAAAAAAAAA4D8AAAAAAADgPwAAAAAAAOA/AAAAAAAA4D8AAAAAAADgPwAAAAAAAOA/AAAAAAAA4D8AAAAAAADgPwAAAAAAAOA/AAAAAAAA4D8CAAAAjAAAAAEAAAAAAAAAhlHdAP///wgAAAAAAAAAAAAAAAAAAAAAAAAAAAAAAAAAAAAAZAAAAAEAAABAAAAAAAAAAAAAAAAAAAAAAAAAAAAAAAAAAAAAAAAAAAAAAAAAAAAAAAAAAAAAAAAAAAAAAAAAAAAAAAAAAAAAAAAAAAAAAAAAAAAAAAAAAAAAAAAAAAAAFAAAADwAAAAAAAAAAAAAAAAAAAkUAAAAAQAAABQAAAAUAAAAFAAAAAEAAAAAAAAAZAAAAGQAAAAAAAAAZAAAAGQAAAAVAAAAYAAAAAAAAAAAAAAADwAAACADAAAAAAAAAAAAAAEAAACgMgAAAAAAAAAAAAABAAAAf39/AAEAAABkAAAAAAAAABQAAABAHwAAAAAAACYAAAAAAAAAwOD//wAAAAAmAAAAZAAAABYAAABMAAAAAAAAAAAAAAAEAAAAAAAAAAEAAACAgIAKAAAAACgAAAAoAAAAZAAAAGQAAAAAAAAAzMzMAAAAAABQAAAAUAAAAGQAAABkAAAAAAAAABcAAAAUAAAAAAAAANwIAAD/fwAA/38AAAAAAAAJAAAABAAAAAAAAAAMAAAAEAAAAAAAAAAAAAAAAAAAAAAAAAAeAAAAaAAAAAAAAAAAAAAAAAAAAAAAAAAAAAAAECcAABAnAAAAAAAAAAAAAAAAAAAAAAAAAAAAAAAAAAAAAAAAAAAAABQAAAAAAAAAwMD/AAAAAABkAAAAMgAAAAAAAABkAAAAAAAAAH9/fwAKAAAAHwAAAFQAAACGUd0A////AQAAAAAAAAAAAAAAAAAAAAAAAAAAAAAAAAAAAAAAAAAAAAAAAn9/fwCAgIADzMzMAMDA/wB/f38AAAAAAAAAAAAAAAAAAAAAAAAAAAAhAAAAGAAAABQAAABQEgAAhg4AABUYAADGEAAAECAAACYAAAAIAAAA//////////8="/>
               </a:ext>
             </a:extLst>
           </p:cNvSpPr>
@@ -15478,7 +15492,7 @@
           <p:cNvSpPr txBox="1">
             <a:extLst>
               <a:ext uri="smNativeData">
-                <pr:smNativeData xmlns:pr="smNativeData" val="SMDATA_13_BbpsXRMAAAAlAAAAEgAAAE8BAAAAkAAAAEgAAACQAAAASAAAAAAAAAAAAAAAAAAAAAEAAABQAAAAAAAAAAAA4D8AAAAAAADgPwAAAAAAAOA/AAAAAAAA4D8AAAAAAADgPwAAAAAAAOA/AAAAAAAA4D8AAAAAAADgPwAAAAAAAOA/AAAAAAAA4D8CAAAAjAAAAAEAAAAAAAAAhlHdAP///wgAAAAAAAAAAAAAAAAAAAAAAAAAAAAAAAAAAAAAZAAAAAEAAABAAAAAAAAAAAAAAAAAAAAAAAAAAAAAAAAAAAAAAAAAAAAAAAAAAAAAAAAAAAAAAAAAAAAAAAAAAAAAAAAAAAAAAAAAAAAAAAAAAAAAAAAAAAAAAAAAAAAAFAAAADwAAAAAAAAAAAAAAAAAAAkUAAAAAQAAABQAAAAUAAAAFAAAAAEAAAAAAAAAZAAAAGQAAAAAAAAAZAAAAGQAAAAVAAAAYAAAAAAAAAAAAAAADwAAACADAAAAAAAAAAAAAAEAAACgMgAAAAAAAAAAAAABAAAAf39/AAEAAABkAAAAAAAAABQAAABAHwAAAAAAACYAAAAAAAAAwOD//wAAAAAmAAAAZAAAABYAAABMAAAAAAAAAAAAAAAEAAAAAAAAAAEAAACAgIAKAAAAACgAAAAoAAAAZAAAAGQAAAAAAAAAzMzMAAAAAABQAAAAUAAAAGQAAABkAAAAAAAAABcAAAAUAAAAAAAAANwIAAD/fwAA/38AAAAAAAAJAAAABAAAAAAAAAAMAAAAEAAAAAAAAAAAAAAAAAAAAAAAAAAeAAAAaAAAAAAAAAAAAAAAAAAAAAAAAAAAAAAAECcAABAnAAAAAAAAAAAAAAAAAAAAAAAAAAAAAAAAAAAAAAAAAAAAABQAAAAAAAAAwMD/AAAAAABkAAAAMgAAAAAAAABkAAAAAAAAAH9/fwAKAAAAHwAAAFQAAACGUd0A////AQAAAAAAAAAAAAAAAAAAAAAAAAAAAAAAAAAAAAAAAAAAAAAAAn9/fwCAgIADzMzMAMDA/wB/f38AAAAAAAAAAAAAAAAAAAAAAAAAAAAhAAAAGAAAABQAAAAiDAAAkQ4AAOcRAADREAAAECAAACYAAAAIAAAA//////////8="/>
+                <pr:smNativeData xmlns:pr="smNativeData" val="SMDATA_13_IrKAXRMAAAAlAAAAEgAAAE8BAAAAkAAAAEgAAACQAAAASAAAAAAAAAAAAAAAAAAAAAEAAABQAAAAAAAAAAAA4D8AAAAAAADgPwAAAAAAAOA/AAAAAAAA4D8AAAAAAADgPwAAAAAAAOA/AAAAAAAA4D8AAAAAAADgPwAAAAAAAOA/AAAAAAAA4D8CAAAAjAAAAAEAAAAAAAAAhlHdAP///wgAAAAAAAAAAAAAAAAAAAAAAAAAAAAAAAAAAAAAZAAAAAEAAABAAAAAAAAAAAAAAAAAAAAAAAAAAAAAAAAAAAAAAAAAAAAAAAAAAAAAAAAAAAAAAAAAAAAAAAAAAAAAAAAAAAAAAAAAAAAAAAAAAAAAAAAAAAAAAAAAAAAAFAAAADwAAAAAAAAAAAAAAAAAAAkUAAAAAQAAABQAAAAUAAAAFAAAAAEAAAAAAAAAZAAAAGQAAAAAAAAAZAAAAGQAAAAVAAAAYAAAAAAAAAAAAAAADwAAACADAAAAAAAAAAAAAAEAAACgMgAAAAAAAAAAAAABAAAAf39/AAEAAABkAAAAAAAAABQAAABAHwAAAAAAACYAAAAAAAAAwOD//wAAAAAmAAAAZAAAABYAAABMAAAAAAAAAAAAAAAEAAAAAAAAAAEAAACAgIAKAAAAACgAAAAoAAAAZAAAAGQAAAAAAAAAzMzMAAAAAABQAAAAUAAAAGQAAABkAAAAAAAAABcAAAAUAAAAAAAAANwIAAD/fwAA/38AAAAAAAAJAAAABAAAAAAAAAAMAAAAEAAAAAAAAAAAAAAAAAAAAAAAAAAeAAAAaAAAAAAAAAAAAAAAAAAAAAAAAAAAAAAAECcAABAnAAAAAAAAAAAAAAAAAAAAAAAAAAAAAAAAAAAAAAAAAAAAABQAAAAAAAAAwMD/AAAAAABkAAAAMgAAAAAAAABkAAAAAAAAAH9/fwAKAAAAHwAAAFQAAACGUd0A////AQAAAAAAAAAAAAAAAAAAAAAAAAAAAAAAAAAAAAAAAAAAAAAAAn9/fwCAgIADzMzMAMDA/wB/f38AAAAAAAAAAAAAAAAAAAAAAAAAAAAhAAAAGAAAABQAAAAiDAAAkQ4AAOcRAADREAAAECAAACYAAAAIAAAA//////////8="/>
               </a:ext>
             </a:extLst>
           </p:cNvSpPr>
@@ -15523,7 +15537,7 @@
           <p:cNvSpPr txBox="1">
             <a:extLst>
               <a:ext uri="smNativeData">
-                <pr:smNativeData xmlns:pr="smNativeData" val="SMDATA_13_BbpsXRMAAAAlAAAAEgAAAE8BAAAAkAAAAEgAAACQAAAASAAAAAAAAAAAAAAAAAAAAAEAAABQAAAAAAAAAAAA4D8AAAAAAADgPwAAAAAAAOA/AAAAAAAA4D8AAAAAAADgPwAAAAAAAOA/AAAAAAAA4D8AAAAAAADgPwAAAAAAAOA/AAAAAAAA4D8CAAAAjAAAAAEAAAAAAAAAhlHdAP///wgAAAAAAAAAAAAAAAAAAAAAAAAAAAAAAAAAAAAAZAAAAAEAAABAAAAAAAAAAAAAAAAAAAAAAAAAAAAAAAAAAAAAAAAAAAAAAAAAAAAAAAAAAAAAAAAAAAAAAAAAAAAAAAAAAAAAAAAAAAAAAAAAAAAAAAAAAAAAAAAAAAAAFAAAADwAAAAAAAAAAAAAAAAAAAkUAAAAAQAAABQAAAAUAAAAFAAAAAEAAAAAAAAAZAAAAGQAAAAAAAAAZAAAAGQAAAAVAAAAYAAAAAAAAAAAAAAADwAAACADAAAAAAAAAAAAAAEAAACgMgAAAAAAAAAAAAABAAAAf39/AAEAAABkAAAAAAAAABQAAABAHwAAAAAAACYAAAAAAAAAwOD//wAAAAAmAAAAZAAAABYAAABMAAAAAAAAAAAAAAAEAAAAAAAAAAEAAACAgIAKAAAAACgAAAAoAAAAZAAAAGQAAAAAAAAAzMzMAAAAAABQAAAAUAAAAGQAAABkAAAAAAAAABcAAAAUAAAAAAAAANwIAAD/fwAA/38AAAAAAAAJAAAABAAAAAAAAAAMAAAAEAAAAAAAAAAAAAAAAAAAAAAAAAAeAAAAaAAAAAAAAAAAAAAAAAAAAAAAAAAAAAAAECcAABAnAAAAAAAAAAAAAAAAAAAAAAAAAAAAAAAAAAAAAAAAAAAAABQAAAAAAAAAwMD/AAAAAABkAAAAMgAAAAAAAABkAAAAAAAAAH9/fwAKAAAAHwAAAFQAAACGUd0A////AQAAAAAAAAAAAAAAAAAAAAAAAAAAAAAAAAAAAAAAAAAAAAAAAn9/fwCAgIADzMzMAMDA/wB/f38AAAAAAAAAAAAAAAAAAAAAAAAAAAAhAAAAGAAAABQAAAD0CgAAdBIAAH0SAAC0FAAAECAAACYAAAAIAAAA//////////8="/>
+                <pr:smNativeData xmlns:pr="smNativeData" val="SMDATA_13_IrKAXRMAAAAlAAAAEgAAAE8BAAAAkAAAAEgAAACQAAAASAAAAAAAAAAAAAAAAAAAAAEAAABQAAAAAAAAAAAA4D8AAAAAAADgPwAAAAAAAOA/AAAAAAAA4D8AAAAAAADgPwAAAAAAAOA/AAAAAAAA4D8AAAAAAADgPwAAAAAAAOA/AAAAAAAA4D8CAAAAjAAAAAEAAAAAAAAAhlHdAP///wgAAAAAAAAAAAAAAAAAAAAAAAAAAAAAAAAAAAAAZAAAAAEAAABAAAAAAAAAAAAAAAAAAAAAAAAAAAAAAAAAAAAAAAAAAAAAAAAAAAAAAAAAAAAAAAAAAAAAAAAAAAAAAAAAAAAAAAAAAAAAAAAAAAAAAAAAAAAAAAAAAAAAFAAAADwAAAAAAAAAAAAAAAAAAAkUAAAAAQAAABQAAAAUAAAAFAAAAAEAAAAAAAAAZAAAAGQAAAAAAAAAZAAAAGQAAAAVAAAAYAAAAAAAAAAAAAAADwAAACADAAAAAAAAAAAAAAEAAACgMgAAAAAAAAAAAAABAAAAf39/AAEAAABkAAAAAAAAABQAAABAHwAAAAAAACYAAAAAAAAAwOD//wAAAAAmAAAAZAAAABYAAABMAAAAAAAAAAAAAAAEAAAAAAAAAAEAAACAgIAKAAAAACgAAAAoAAAAZAAAAGQAAAAAAAAAzMzMAAAAAABQAAAAUAAAAGQAAABkAAAAAAAAABcAAAAUAAAAAAAAANwIAAD/fwAA/38AAAAAAAAJAAAABAAAAAAAAAAMAAAAEAAAAAAAAAAAAAAAAAAAAAAAAAAeAAAAaAAAAAAAAAAAAAAAAAAAAAAAAAAAAAAAECcAABAnAAAAAAAAAAAAAAAAAAAAAAAAAAAAAAAAAAAAAAAAAAAAABQAAAAAAAAAwMD/AAAAAABkAAAAMgAAAAAAAABkAAAAAAAAAH9/fwAKAAAAHwAAAFQAAACGUd0A////AQAAAAAAAAAAAAAAAAAAAAAAAAAAAAAAAAAAAAAAAAAAAAAAAn9/fwCAgIADzMzMAMDA/wB/f38AAAAAAAAAAAAAAAAAAAAAAAAAAAAhAAAAGAAAABQAAAD0CgAAdBIAAH0SAAC0FAAAECAAACYAAAAIAAAA//////////8="/>
               </a:ext>
             </a:extLst>
           </p:cNvSpPr>
@@ -15568,7 +15582,7 @@
           <p:cNvSpPr txBox="1">
             <a:extLst>
               <a:ext uri="smNativeData">
-                <pr:smNativeData xmlns:pr="smNativeData" val="SMDATA_13_BbpsXRMAAAAlAAAAEgAAAE8BAAAAkAAAAEgAAACQAAAASAAAAAAAAAAAAAAAAAAAAAEAAABQAAAAAAAAAAAA4D8AAAAAAADgPwAAAAAAAOA/AAAAAAAA4D8AAAAAAADgPwAAAAAAAOA/AAAAAAAA4D8AAAAAAADgPwAAAAAAAOA/AAAAAAAA4D8CAAAAjAAAAAEAAAAAAAAAhlHdAP///wgAAAAAAAAAAAAAAAAAAAAAAAAAAAAAAAAAAAAAZAAAAAEAAABAAAAAAAAAAAAAAAAAAAAAAAAAAAAAAAAAAAAAAAAAAAAAAAAAAAAAAAAAAAAAAAAAAAAAAAAAAAAAAAAAAAAAAAAAAAAAAAAAAAAAAAAAAAAAAAAAAAAAFAAAADwAAAAAAAAAAAAAAAAAAAkUAAAAAQAAABQAAAAUAAAAFAAAAAEAAAAAAAAAZAAAAGQAAAAAAAAAZAAAAGQAAAAVAAAAYAAAAAAAAAAAAAAADwAAACADAAAAAAAAAAAAAAEAAACgMgAAAAAAAAAAAAABAAAAf39/AAEAAABkAAAAAAAAABQAAABAHwAAAAAAACYAAAAAAAAAwOD//wAAAAAmAAAAZAAAABYAAABMAAAAAAAAAAAAAAAEAAAAAAAAAAEAAACAgIAKAAAAACgAAAAoAAAAZAAAAGQAAAAAAAAAzMzMAAAAAABQAAAAUAAAAGQAAABkAAAAAAAAABcAAAAUAAAAAAAAANwIAAD/fwAA/38AAAAAAAAJAAAABAAAAAAAAAAMAAAAEAAAAAAAAAAAAAAAAAAAAAAAAAAeAAAAaAAAAAAAAAAAAAAAAAAAAAAAAAAAAAAAECcAABAnAAAAAAAAAAAAAAAAAAAAAAAAAAAAAAAAAAAAAAAAAAAAABQAAAAAAAAAwMD/AAAAAABkAAAAMgAAAAAAAABkAAAAAAAAAH9/fwAKAAAAHwAAAFQAAACGUd0A////AQAAAAAAAAAAAAAAAAAAAAAAAAAAAAAAAAAAAAAAAAAAAAAAAn9/fwCAgIADzMzMAMDA/wB/f38AAAAAAAAAAAAAAAAAAAAAAAAAAAAhAAAAGAAAABQAAAD0CgAAJRUAAH0SAABlFwAAECAAACYAAAAIAAAA//////////8="/>
+                <pr:smNativeData xmlns:pr="smNativeData" val="SMDATA_13_IrKAXRMAAAAlAAAAEgAAAE8BAAAAkAAAAEgAAACQAAAASAAAAAAAAAAAAAAAAAAAAAEAAABQAAAAAAAAAAAA4D8AAAAAAADgPwAAAAAAAOA/AAAAAAAA4D8AAAAAAADgPwAAAAAAAOA/AAAAAAAA4D8AAAAAAADgPwAAAAAAAOA/AAAAAAAA4D8CAAAAjAAAAAEAAAAAAAAAhlHdAP///wgAAAAAAAAAAAAAAAAAAAAAAAAAAAAAAAAAAAAAZAAAAAEAAABAAAAAAAAAAAAAAAAAAAAAAAAAAAAAAAAAAAAAAAAAAAAAAAAAAAAAAAAAAAAAAAAAAAAAAAAAAAAAAAAAAAAAAAAAAAAAAAAAAAAAAAAAAAAAAAAAAAAAFAAAADwAAAAAAAAAAAAAAAAAAAkUAAAAAQAAABQAAAAUAAAAFAAAAAEAAAAAAAAAZAAAAGQAAAAAAAAAZAAAAGQAAAAVAAAAYAAAAAAAAAAAAAAADwAAACADAAAAAAAAAAAAAAEAAACgMgAAAAAAAAAAAAABAAAAf39/AAEAAABkAAAAAAAAABQAAABAHwAAAAAAACYAAAAAAAAAwOD//wAAAAAmAAAAZAAAABYAAABMAAAAAAAAAAAAAAAEAAAAAAAAAAEAAACAgIAKAAAAACgAAAAoAAAAZAAAAGQAAAAAAAAAzMzMAAAAAABQAAAAUAAAAGQAAABkAAAAAAAAABcAAAAUAAAAAAAAANwIAAD/fwAA/38AAAAAAAAJAAAABAAAAAAAAAAMAAAAEAAAAAAAAAAAAAAAAAAAAAAAAAAeAAAAaAAAAAAAAAAAAAAAAAAAAAAAAAAAAAAAECcAABAnAAAAAAAAAAAAAAAAAAAAAAAAAAAAAAAAAAAAAAAAAAAAABQAAAAAAAAAwMD/AAAAAABkAAAAMgAAAAAAAABkAAAAAAAAAH9/fwAKAAAAHwAAAFQAAACGUd0A////AQAAAAAAAAAAAAAAAAAAAAAAAAAAAAAAAAAAAAAAAAAAAAAAAn9/fwCAgIADzMzMAMDA/wB/f38AAAAAAAAAAAAAAAAAAAAAAAAAAAAhAAAAGAAAABQAAAD0CgAAJRUAAH0SAABlFwAAECAAACYAAAAIAAAA//////////8="/>
               </a:ext>
             </a:extLst>
           </p:cNvSpPr>
@@ -15614,7 +15628,7 @@
             <a:picLocks noChangeAspect="1"/>
             <a:extLst>
               <a:ext uri="smNativeData">
-                <pr:smNativeData xmlns:pr="smNativeData" val="SMDATA_15_BbpsXRMAAAAlAAAAEQAAAC8BAAAAkAAAAEgAAACQAAAASAAAAAAAAAAAAAAAAAAAAAEAAABQAAAAAAAAAAAA4D8AAAAAAADgPwAAAAAAAOA/AAAAAAAA4D8AAAAAAADgPwAAAAAAAOA/AAAAAAAA4D8AAAAAAADgPwAAAAAAAOA/AAAAAAAA4D8CAAAAjAAAAAAAAAAAAAAAu+DjDP///wgAAAAAAAAAAAAAAAAAAAAAAAAAAAAAAAAAAAAAZAAAAAEAAABAAAAAAAAAAAAAAAAAAAAAAAAAAAAAAAAAAAAAAAAAAAAAAAAAAAAAAAAAAAAAAAAAAAAAAAAAAAAAAAAAAAAAAAAAAAAAAAAAAAAAAAAAAAAAAAAAAAAAFAAAADwAAAAAAAAAAAAAAAAAAAkUAAAAAQAAABQAAAAUAAAAFAAAAAEAAAAAAAAAZAAAAGQAAAAAAAAAZAAAAGQAAAAVAAAAYAAAAAAAAAAAAAAADwAAACADAAAAAAAAAAAAAAEAAACgMgAAAAAAAAAAAAABAAAAf39/AAEAAABkAAAAAAAAABQAAABAHwAAAAAAACYAAAAAAAAAwOD//wAAAAAmAAAAZAAAABYAAABMAAAAAAAAAAAAAAAEAAAAAAAAAAEAAACAgIAKAAAAACgAAAAoAAAAZAAAAGQAAAAAAAAAzMzMAAAAAABQAAAAUAAAAGQAAABkAAAAAAAAAAcAAAA4AAAAAAAAAAAAAAAAAAAA////AAAAAAAAAAAAAAAAAAAAAAAAAAAAAAAAAAAAAABkAAAAZAAAAAAAAAAjAAAABAAAAGQAAAAXAAAAFAAAAAAAAAAAAAAA/38AAP9/AAAAAAAACQAAAAQAAAAAAAAADAAAABAAAAAAAAAAAAAAAAAAAAAAAAAAHgAAAGgAAAAAAAAAAAAAAAAAAAAAAAAAAAAAABAnAAAQJwAAAAAAAAAAAAAAAAAAAAAAAAAAAAAAAAAAAAAAAAAAAAAUAAAAAAAAAMDA/wAAAAAAZAAAADIAAAAAAAAAZAAAAAAAAAB/f38ACgAAAB8AAABUAAAAu+DjBf///wEAAAAAAAAAAAAAAAAAAAAAAAAAAAAAAAAAAAAAAAAAAAAAAAJ/f38AgICAA8zMzADAwP8Af39/AAAAAAAAAAAAAAAAAP///wAAAAAAIQAAABgAAAAUAAAAfgwAALgYAAA3EQAAMScAABAAAAAmAAAACAAAAP//////////"/>
+                <pr:smNativeData xmlns:pr="smNativeData" val="SMDATA_15_IrKAXRMAAAAlAAAAEQAAAC8BAAAAkAAAAEgAAACQAAAASAAAAAAAAAAAAAAAAAAAAAEAAABQAAAAAAAAAAAA4D8AAAAAAADgPwAAAAAAAOA/AAAAAAAA4D8AAAAAAADgPwAAAAAAAOA/AAAAAAAA4D8AAAAAAADgPwAAAAAAAOA/AAAAAAAA4D8CAAAAjAAAAAAAAAAAAAAAu+DjDP///wgAAAAAAAAAAAAAAAAAAAAAAAAAAAAAAAAAAAAAZAAAAAEAAABAAAAAAAAAAAAAAAAAAAAAAAAAAAAAAAAAAAAAAAAAAAAAAAAAAAAAAAAAAAAAAAAAAAAAAAAAAAAAAAAAAAAAAAAAAAAAAAAAAAAAAAAAAAAAAAAAAAAAFAAAADwAAAAAAAAAAAAAAAAAAAkUAAAAAQAAABQAAAAUAAAAFAAAAAEAAAAAAAAAZAAAAGQAAAAAAAAAZAAAAGQAAAAVAAAAYAAAAAAAAAAAAAAADwAAACADAAAAAAAAAAAAAAEAAACgMgAAAAAAAAAAAAABAAAAf39/AAEAAABkAAAAAAAAABQAAABAHwAAAAAAACYAAAAAAAAAwOD//wAAAAAmAAAAZAAAABYAAABMAAAAAAAAAAAAAAAEAAAAAAAAAAEAAACAgIAKAAAAACgAAAAoAAAAZAAAAGQAAAAAAAAAzMzMAAAAAABQAAAAUAAAAGQAAABkAAAAAAAAAAcAAAA4AAAAAAAAAAAAAAAAAAAA////AAAAAAAAAAAAAAAAAAAAAAAAAAAAAAAAAAAAAABkAAAAZAAAAAAAAAAjAAAABAAAAGQAAAAXAAAAFAAAAAAAAAAAAAAA/38AAP9/AAAAAAAACQAAAAQAAAAAAAAADAAAABAAAAAAAAAAAAAAAAAAAAAAAAAAHgAAAGgAAAAAAAAAAAAAAAAAAAAAAAAAAAAAABAnAAAQJwAAAAAAAAAAAAAAAAAAAAAAAAAAAAAAAAAAAAAAAAAAAAAUAAAAAAAAAMDA/wAAAAAAZAAAADIAAAAAAAAAZAAAAAAAAAB/f38ACgAAAB8AAABUAAAAu+DjBf///wEAAAAAAAAAAAAAAAAAAAAAAAAAAAAAAAAAAAAAAAAAAAAAAAJ/f38AgICAA8zMzADAwP8Af39/AAAAAAAAAAAAAAAAAP///wAAAAAAIQAAABgAAAAUAAAAfgwAALgYAAA3EQAAMScAABAAAAAmAAAACAAAAP//////////"/>
               </a:ext>
             </a:extLst>
           </p:cNvPicPr>
@@ -15737,7 +15751,7 @@
                 </a:tc>
                 <a:extLst>
                   <a:ext uri="smNativeData">
-                    <pr:rowheight xmlns="" xmlns:pr="smNativeData" dt="1567406597" type="min" val="668020"/>
+                    <pr:rowheight xmlns="" xmlns:pr="smNativeData" dt="1568715298" type="min" val="668020"/>
                   </a:ext>
                 </a:extLst>
               </a:tr>
@@ -15906,7 +15920,7 @@
                 </a:tc>
                 <a:extLst>
                   <a:ext uri="smNativeData">
-                    <pr:rowheight xmlns="" xmlns:pr="smNativeData" dt="1567406597" type="min" val="1006475"/>
+                    <pr:rowheight xmlns="" xmlns:pr="smNativeData" dt="1568715298" type="min" val="1006475"/>
                   </a:ext>
                 </a:extLst>
               </a:tr>
@@ -16075,7 +16089,7 @@
                 </a:tc>
                 <a:extLst>
                   <a:ext uri="smNativeData">
-                    <pr:rowheight xmlns="" xmlns:pr="smNativeData" dt="1567406597" type="min" val="2557780"/>
+                    <pr:rowheight xmlns="" xmlns:pr="smNativeData" dt="1568715298" type="min" val="2557780"/>
                   </a:ext>
                 </a:extLst>
               </a:tr>
@@ -16089,7 +16103,7 @@
           <p:cNvSpPr txBox="1">
             <a:extLst>
               <a:ext uri="smNativeData">
-                <pr:smNativeData xmlns:pr="smNativeData" val="SMDATA_13_BbpsXRMAAAAlAAAAEgAAAE8BAAAAkAAAAEgAAACQAAAASAAAAAAAAAAAAAAAAAAAAAEAAABQAAAAAAAAAAAA4D8AAAAAAADgPwAAAAAAAOA/AAAAAAAA4D8AAAAAAADgPwAAAAAAAOA/AAAAAAAA4D8AAAAAAADgPwAAAAAAAOA/AAAAAAAA4D8CAAAAjAAAAAEAAAAAAAAAhlHdAP///wgAAAAAAAAAAAAAAAAAAAAAAAAAAAAAAAAAAAAAZAAAAAEAAABAAAAAAAAAAAAAAAAAAAAAAAAAAAAAAAAAAAAAAAAAAAAAAAAAAAAAAAAAAAAAAAAAAAAAAAAAAAAAAAAAAAAAAAAAAAAAAAAAAAAAAAAAAAAAAAAAAAAAFAAAADwAAAAAAAAAAAAAAAAAAAkUAAAAAQAAABQAAAAUAAAAFAAAAAEAAAAAAAAAZAAAAGQAAAAAAAAAZAAAAGQAAAAVAAAAYAAAAAAAAAAAAAAADwAAACADAAAAAAAAAAAAAAEAAACgMgAAAAAAAAAAAAABAAAAf39/AAEAAABkAAAAAAAAABQAAABAHwAAAAAAACYAAAAAAAAAwOD//wAAAAAmAAAAZAAAABYAAABMAAAAAAAAAAAAAAAEAAAAAAAAAAEAAACAgIAKAAAAACgAAAAoAAAAZAAAAGQAAAAAAAAAzMzMAAAAAABQAAAAUAAAAGQAAABkAAAAAAAAABcAAAAUAAAAAAAAANwIAAD/fwAA/38AAAAAAAAJAAAABAAAAAAAAAAMAAAAEAAAAAAAAAAAAAAAAAAAAAAAAAAeAAAAaAAAAAAAAAAAAAAAAAAAAAAAAAAAAAAAECcAABAnAAAAAAAAAAAAAAAAAAAAAAAAAAAAAAAAAAAAAAAAAAAAABQAAAAAAAAAwMD/AAAAAABkAAAAMgAAAAAAAABkAAAAAAAAAH9/fwAKAAAAHwAAAFQAAACGUd0A////AQAAAAAAAAAAAAAAAAAAAAAAAAAAAAAAAAAAAAAAAAAAAAAAAn9/fwCAgIADzMzMAMDA/wB/f38AAAAAAAAAAAAAAAAAAAAAAAAAAAAhAAAAGAAAABQAAAATIQAAkQ4AANgmAADREAAAECAAACYAAAAIAAAA//////////8="/>
+                <pr:smNativeData xmlns:pr="smNativeData" val="SMDATA_13_IrKAXRMAAAAlAAAAEgAAAE8BAAAAkAAAAEgAAACQAAAASAAAAAAAAAAAAAAAAAAAAAEAAABQAAAAAAAAAAAA4D8AAAAAAADgPwAAAAAAAOA/AAAAAAAA4D8AAAAAAADgPwAAAAAAAOA/AAAAAAAA4D8AAAAAAADgPwAAAAAAAOA/AAAAAAAA4D8CAAAAjAAAAAEAAAAAAAAAhlHdAP///wgAAAAAAAAAAAAAAAAAAAAAAAAAAAAAAAAAAAAAZAAAAAEAAABAAAAAAAAAAAAAAAAAAAAAAAAAAAAAAAAAAAAAAAAAAAAAAAAAAAAAAAAAAAAAAAAAAAAAAAAAAAAAAAAAAAAAAAAAAAAAAAAAAAAAAAAAAAAAAAAAAAAAFAAAADwAAAAAAAAAAAAAAAAAAAkUAAAAAQAAABQAAAAUAAAAFAAAAAEAAAAAAAAAZAAAAGQAAAAAAAAAZAAAAGQAAAAVAAAAYAAAAAAAAAAAAAAADwAAACADAAAAAAAAAAAAAAEAAACgMgAAAAAAAAAAAAABAAAAf39/AAEAAABkAAAAAAAAABQAAABAHwAAAAAAACYAAAAAAAAAwOD//wAAAAAmAAAAZAAAABYAAABMAAAAAAAAAAAAAAAEAAAAAAAAAAEAAACAgIAKAAAAACgAAAAoAAAAZAAAAGQAAAAAAAAAzMzMAAAAAABQAAAAUAAAAGQAAABkAAAAAAAAABcAAAAUAAAAAAAAANwIAAD/fwAA/38AAAAAAAAJAAAABAAAAAAAAAAMAAAAEAAAAAAAAAAAAAAAAAAAAAAAAAAeAAAAaAAAAAAAAAAAAAAAAAAAAAAAAAAAAAAAECcAABAnAAAAAAAAAAAAAAAAAAAAAAAAAAAAAAAAAAAAAAAAAAAAABQAAAAAAAAAwMD/AAAAAABkAAAAMgAAAAAAAABkAAAAAAAAAH9/fwAKAAAAHwAAAFQAAACGUd0A////AQAAAAAAAAAAAAAAAAAAAAAAAAAAAAAAAAAAAAAAAAAAAAAAAn9/fwCAgIADzMzMAMDA/wB/f38AAAAAAAAAAAAAAAAAAAAAAAAAAAAhAAAAGAAAABQAAAATIQAAkQ4AANgmAADREAAAECAAACYAAAAIAAAA//////////8="/>
               </a:ext>
             </a:extLst>
           </p:cNvSpPr>
@@ -16134,7 +16148,7 @@
           <p:cNvSpPr txBox="1">
             <a:extLst>
               <a:ext uri="smNativeData">
-                <pr:smNativeData xmlns:pr="smNativeData" val="SMDATA_13_BbpsXRMAAAAlAAAAEgAAAE8BAAAAkAAAAEgAAACQAAAASAAAAAAAAAAAAAAAAAAAAAEAAABQAAAAAAAAAAAA4D8AAAAAAADgPwAAAAAAAOA/AAAAAAAA4D8AAAAAAADgPwAAAAAAAOA/AAAAAAAA4D8AAAAAAADgPwAAAAAAAOA/AAAAAAAA4D8CAAAAjAAAAAEAAAAAAAAAhlHdAP///wgAAAAAAAAAAAAAAAAAAAAAAAAAAAAAAAAAAAAAZAAAAAEAAABAAAAAAAAAAAAAAAAAAAAAAAAAAAAAAAAAAAAAAAAAAAAAAAAAAAAAAAAAAAAAAAAAAAAAAAAAAAAAAAAAAAAAAAAAAAAAAAAAAAAAAAAAAAAAAAAAAAAAFAAAADwAAAAAAAAAAAAAAAAAAAkUAAAAAQAAABQAAAAUAAAAFAAAAAEAAAAAAAAAZAAAAGQAAAAAAAAAZAAAAGQAAAAVAAAAYAAAAAAAAAAAAAAADwAAACADAAAAAAAAAAAAAAEAAACgMgAAAAAAAAAAAAABAAAAf39/AAEAAABkAAAAAAAAABQAAABAHwAAAAAAACYAAAAAAAAAwOD//wAAAAAmAAAAZAAAABYAAABMAAAAAAAAAAAAAAAEAAAAAAAAAAEAAACAgIAKAAAAACgAAAAoAAAAZAAAAGQAAAAAAAAAzMzMAAAAAABQAAAAUAAAAGQAAABkAAAAAAAAABcAAAAUAAAAAAAAANwIAAD/fwAA/38AAAAAAAAJAAAABAAAAAAAAAAMAAAAEAAAAAAAAAAAAAAAAAAAAAAAAAAeAAAAaAAAAAAAAAAAAAAAAAAAAAAAAAAAAAAAECcAABAnAAAAAAAAAAAAAAAAAAAAAAAAAAAAAAAAAAAAAAAAAAAAABQAAAAAAAAAwMD/AAAAAABkAAAAMgAAAAAAAABkAAAAAAAAAH9/fwAKAAAAHwAAAFQAAACGUd0A////AQAAAAAAAAAAAAAAAAAAAAAAAAAAAAAAAAAAAAAAAAAAAAAAAn9/fwCAgIADzMzMAMDA/wB/f38AAAAAAAAAAAAAAAAAAAAAAAAAAAAhAAAAGAAAABQAAABvLQAAkQ4AADQzAADREAAAECAAACYAAAAIAAAA//////////8="/>
+                <pr:smNativeData xmlns:pr="smNativeData" val="SMDATA_13_IrKAXRMAAAAlAAAAEgAAAE8BAAAAkAAAAEgAAACQAAAASAAAAAAAAAAAAAAAAAAAAAEAAABQAAAAAAAAAAAA4D8AAAAAAADgPwAAAAAAAOA/AAAAAAAA4D8AAAAAAADgPwAAAAAAAOA/AAAAAAAA4D8AAAAAAADgPwAAAAAAAOA/AAAAAAAA4D8CAAAAjAAAAAEAAAAAAAAAhlHdAP///wgAAAAAAAAAAAAAAAAAAAAAAAAAAAAAAAAAAAAAZAAAAAEAAABAAAAAAAAAAAAAAAAAAAAAAAAAAAAAAAAAAAAAAAAAAAAAAAAAAAAAAAAAAAAAAAAAAAAAAAAAAAAAAAAAAAAAAAAAAAAAAAAAAAAAAAAAAAAAAAAAAAAAFAAAADwAAAAAAAAAAAAAAAAAAAkUAAAAAQAAABQAAAAUAAAAFAAAAAEAAAAAAAAAZAAAAGQAAAAAAAAAZAAAAGQAAAAVAAAAYAAAAAAAAAAAAAAADwAAACADAAAAAAAAAAAAAAEAAACgMgAAAAAAAAAAAAABAAAAf39/AAEAAABkAAAAAAAAABQAAABAHwAAAAAAACYAAAAAAAAAwOD//wAAAAAmAAAAZAAAABYAAABMAAAAAAAAAAAAAAAEAAAAAAAAAAEAAACAgIAKAAAAACgAAAAoAAAAZAAAAGQAAAAAAAAAzMzMAAAAAABQAAAAUAAAAGQAAABkAAAAAAAAABcAAAAUAAAAAAAAANwIAAD/fwAA/38AAAAAAAAJAAAABAAAAAAAAAAMAAAAEAAAAAAAAAAAAAAAAAAAAAAAAAAeAAAAaAAAAAAAAAAAAAAAAAAAAAAAAAAAAAAAECcAABAnAAAAAAAAAAAAAAAAAAAAAAAAAAAAAAAAAAAAAAAAAAAAABQAAAAAAAAAwMD/AAAAAABkAAAAMgAAAAAAAABkAAAAAAAAAH9/fwAKAAAAHwAAAFQAAACGUd0A////AQAAAAAAAAAAAAAAAAAAAAAAAAAAAAAAAAAAAAAAAAAAAAAAAn9/fwCAgIADzMzMAMDA/wB/f38AAAAAAAAAAAAAAAAAAAAAAAAAAAAhAAAAGAAAABQAAABvLQAAkQ4AADQzAADREAAAECAAACYAAAAIAAAA//////////8="/>
               </a:ext>
             </a:extLst>
           </p:cNvSpPr>
@@ -16179,7 +16193,7 @@
           <p:cNvSpPr txBox="1">
             <a:extLst>
               <a:ext uri="smNativeData">
-                <pr:smNativeData xmlns:pr="smNativeData" val="SMDATA_13_BbpsXRMAAAAlAAAAEgAAAE8BAAAAkAAAAEgAAACQAAAASAAAAAAAAAAAAAAAAAAAAAEAAABQAAAAAAAAAAAA4D8AAAAAAADgPwAAAAAAAOA/AAAAAAAA4D8AAAAAAADgPwAAAAAAAOA/AAAAAAAA4D8AAAAAAADgPwAAAAAAAOA/AAAAAAAA4D8CAAAAjAAAAAEAAAAAAAAAhlHdAP///wgAAAAAAAAAAAAAAAAAAAAAAAAAAAAAAAAAAAAAZAAAAAEAAABAAAAAAAAAAAAAAAAAAAAAAAAAAAAAAAAAAAAAAAAAAAAAAAAAAAAAAAAAAAAAAAAAAAAAAAAAAAAAAAAAAAAAAAAAAAAAAAAAAAAAAAAAAAAAAAAAAAAAFAAAADwAAAAAAAAAAAAAAAAAAAkUAAAAAQAAABQAAAAUAAAAFAAAAAEAAAAAAAAAZAAAAGQAAAAAAAAAZAAAAGQAAAAVAAAAYAAAAAAAAAAAAAAADwAAACADAAAAAAAAAAAAAAEAAACgMgAAAAAAAAAAAAABAAAAf39/AAEAAABkAAAAAAAAABQAAABAHwAAAAAAACYAAAAAAAAAwOD//wAAAAAmAAAAZAAAABYAAABMAAAAAAAAAAAAAAAEAAAAAAAAAAEAAACAgIAKAAAAACgAAAAoAAAAZAAAAGQAAAAAAAAAzMzMAAAAAABQAAAAUAAAAGQAAABkAAAAAAAAABcAAAAUAAAAAAAAANwIAAD/fwAA/38AAAAAAAAJAAAABAAAAAAAAAAMAAAAEAAAAAAAAAAAAAAAAAAAAAAAAAAeAAAAaAAAAAAAAAAAAAAAAAAAAAAAAAAAAAAAECcAABAnAAAAAAAAAAAAAAAAAAAAAAAAAAAAAAAAAAAAAAAAAAAAABQAAAAAAAAAwMD/AAAAAABkAAAAMgAAAAAAAABkAAAAAAAAAH9/fwAKAAAAHwAAAFQAAACGUd0A////AQAAAAAAAAAAAAAAAAAAAAAAAAAAAAAAAAAAAAAAAAAAAAAAAn9/fwCAgIADzMzMAMDA/wB/f38AAAAAAAAAAAAAAAAAAAAAAAAAAAAhAAAAGAAAABQAAABJJwAAkQ4AAA4tAADREAAAECAAACYAAAAIAAAA//////////8="/>
+                <pr:smNativeData xmlns:pr="smNativeData" val="SMDATA_13_IrKAXRMAAAAlAAAAEgAAAE8BAAAAkAAAAEgAAACQAAAASAAAAAAAAAAAAAAAAAAAAAEAAABQAAAAAAAAAAAA4D8AAAAAAADgPwAAAAAAAOA/AAAAAAAA4D8AAAAAAADgPwAAAAAAAOA/AAAAAAAA4D8AAAAAAADgPwAAAAAAAOA/AAAAAAAA4D8CAAAAjAAAAAEAAAAAAAAAhlHdAP///wgAAAAAAAAAAAAAAAAAAAAAAAAAAAAAAAAAAAAAZAAAAAEAAABAAAAAAAAAAAAAAAAAAAAAAAAAAAAAAAAAAAAAAAAAAAAAAAAAAAAAAAAAAAAAAAAAAAAAAAAAAAAAAAAAAAAAAAAAAAAAAAAAAAAAAAAAAAAAAAAAAAAAFAAAADwAAAAAAAAAAAAAAAAAAAkUAAAAAQAAABQAAAAUAAAAFAAAAAEAAAAAAAAAZAAAAGQAAAAAAAAAZAAAAGQAAAAVAAAAYAAAAAAAAAAAAAAADwAAACADAAAAAAAAAAAAAAEAAACgMgAAAAAAAAAAAAABAAAAf39/AAEAAABkAAAAAAAAABQAAABAHwAAAAAAACYAAAAAAAAAwOD//wAAAAAmAAAAZAAAABYAAABMAAAAAAAAAAAAAAAEAAAAAAAAAAEAAACAgIAKAAAAACgAAAAoAAAAZAAAAGQAAAAAAAAAzMzMAAAAAABQAAAAUAAAAGQAAABkAAAAAAAAABcAAAAUAAAAAAAAANwIAAD/fwAA/38AAAAAAAAJAAAABAAAAAAAAAAMAAAAEAAAAAAAAAAAAAAAAAAAAAAAAAAeAAAAaAAAAAAAAAAAAAAAAAAAAAAAAAAAAAAAECcAABAnAAAAAAAAAAAAAAAAAAAAAAAAAAAAAAAAAAAAAAAAAAAAABQAAAAAAAAAwMD/AAAAAABkAAAAMgAAAAAAAABkAAAAAAAAAH9/fwAKAAAAHwAAAFQAAACGUd0A////AQAAAAAAAAAAAAAAAAAAAAAAAAAAAAAAAAAAAAAAAAAAAAAAAn9/fwCAgIADzMzMAMDA/wB/f38AAAAAAAAAAAAAAAAAAAAAAAAAAAAhAAAAGAAAABQAAABJJwAAkQ4AAA4tAADREAAAECAAACYAAAAIAAAA//////////8="/>
               </a:ext>
             </a:extLst>
           </p:cNvSpPr>
@@ -16224,7 +16238,7 @@
           <p:cNvSpPr txBox="1">
             <a:extLst>
               <a:ext uri="smNativeData">
-                <pr:smNativeData xmlns:pr="smNativeData" val="SMDATA_13_BbpsXRMAAAAlAAAAEgAAAE8BAAAAkAAAAEgAAACQAAAASAAAAAAAAAAAAAAAAAAAAAEAAABQAAAAAAAAAAAA4D8AAAAAAADgPwAAAAAAAOA/AAAAAAAA4D8AAAAAAADgPwAAAAAAAOA/AAAAAAAA4D8AAAAAAADgPwAAAAAAAOA/AAAAAAAA4D8CAAAAjAAAAAEAAAAAAAAAhlHdAP///wgAAAAAAAAAAAAAAAAAAAAAAAAAAAAAAAAAAAAAZAAAAAEAAABAAAAAAAAAAAAAAAAAAAAAAAAAAAAAAAAAAAAAAAAAAAAAAAAAAAAAAAAAAAAAAAAAAAAAAAAAAAAAAAAAAAAAAAAAAAAAAAAAAAAAAAAAAAAAAAAAAAAAFAAAADwAAAAAAAAAAAAAAAAAAAkUAAAAAQAAABQAAAAUAAAAFAAAAAEAAAAAAAAAZAAAAGQAAAAAAAAAZAAAAGQAAAAVAAAAYAAAAAAAAAAAAAAADwAAACADAAAAAAAAAAAAAAEAAACgMgAAAAAAAAAAAAABAAAAf39/AAEAAABkAAAAAAAAABQAAABAHwAAAAAAACYAAAAAAAAAwOD//wAAAAAmAAAAZAAAABYAAABMAAAAAAAAAAAAAAAEAAAAAAAAAAEAAACAgIAKAAAAACgAAAAoAAAAZAAAAGQAAAAAAAAAzMzMAAAAAABQAAAAUAAAAGQAAABkAAAAAAAAABcAAAAUAAAAAAAAANwIAAD/fwAA/38AAAAAAAAJAAAABAAAAAAAAAAMAAAAEAAAAAAAAAAAAAAAAAAAAAAAAAAeAAAAaAAAAAAAAAAAAAAAAAAAAAAAAAAAAAAAECcAABAnAAAAAAAAAAAAAAAAAAAAAAAAAAAAAAAAAAAAAAAAAAAAABQAAAAAAAAAwMD/AAAAAABkAAAAMgAAAAAAAABkAAAAAAAAAH9/fwAKAAAAHwAAAFQAAACGUd0A////AQAAAAAAAAAAAAAAAAAAAAAAAAAAAAAAAAAAAAAAAAAAAAAAAn9/fwCAgIADzMzMAMDA/wB/f38AAAAAAAAAAAAAAAAAAAAAAAAAAAAhAAAAGAAAABQAAAA5IAAAVRUAAPYlAABlFwAAECAAACYAAAAIAAAA//////////8="/>
+                <pr:smNativeData xmlns:pr="smNativeData" val="SMDATA_13_IrKAXRMAAAAlAAAAEgAAAE8BAAAAkAAAAEgAAACQAAAASAAAAAAAAAAAAAAAAAAAAAEAAABQAAAAAAAAAAAA4D8AAAAAAADgPwAAAAAAAOA/AAAAAAAA4D8AAAAAAADgPwAAAAAAAOA/AAAAAAAA4D8AAAAAAADgPwAAAAAAAOA/AAAAAAAA4D8CAAAAjAAAAAEAAAAAAAAAhlHdAP///wgAAAAAAAAAAAAAAAAAAAAAAAAAAAAAAAAAAAAAZAAAAAEAAABAAAAAAAAAAAAAAAAAAAAAAAAAAAAAAAAAAAAAAAAAAAAAAAAAAAAAAAAAAAAAAAAAAAAAAAAAAAAAAAAAAAAAAAAAAAAAAAAAAAAAAAAAAAAAAAAAAAAAFAAAADwAAAAAAAAAAAAAAAAAAAkUAAAAAQAAABQAAAAUAAAAFAAAAAEAAAAAAAAAZAAAAGQAAAAAAAAAZAAAAGQAAAAVAAAAYAAAAAAAAAAAAAAADwAAACADAAAAAAAAAAAAAAEAAACgMgAAAAAAAAAAAAABAAAAf39/AAEAAABkAAAAAAAAABQAAABAHwAAAAAAACYAAAAAAAAAwOD//wAAAAAmAAAAZAAAABYAAABMAAAAAAAAAAAAAAAEAAAAAAAAAAEAAACAgIAKAAAAACgAAAAoAAAAZAAAAGQAAAAAAAAAzMzMAAAAAABQAAAAUAAAAGQAAABkAAAAAAAAABcAAAAUAAAAAAAAANwIAAD/fwAA/38AAAAAAAAJAAAABAAAAAAAAAAMAAAAEAAAAAAAAAAAAAAAAAAAAAAAAAAeAAAAaAAAAAAAAAAAAAAAAAAAAAAAAAAAAAAAECcAABAnAAAAAAAAAAAAAAAAAAAAAAAAAAAAAAAAAAAAAAAAAAAAABQAAAAAAAAAwMD/AAAAAABkAAAAMgAAAAAAAABkAAAAAAAAAH9/fwAKAAAAHwAAAFQAAACGUd0A////AQAAAAAAAAAAAAAAAAAAAAAAAAAAAAAAAAAAAAAAAAAAAAAAAn9/fwCAgIADzMzMAMDA/wB/f38AAAAAAAAAAAAAAAAAAAAAAAAAAAAhAAAAGAAAABQAAAA5IAAAVRUAAPYlAABlFwAAECAAACYAAAAIAAAA//////////8="/>
               </a:ext>
             </a:extLst>
           </p:cNvSpPr>
@@ -16271,7 +16285,7 @@
           <p:cNvSpPr txBox="1">
             <a:extLst>
               <a:ext uri="smNativeData">
-                <pr:smNativeData xmlns:pr="smNativeData" val="SMDATA_13_BbpsXRMAAAAlAAAAEgAAAE8BAAAAkAAAAEgAAACQAAAASAAAAAAAAAAAAAAAAAAAAAEAAABQAAAAAAAAAAAA4D8AAAAAAADgPwAAAAAAAOA/AAAAAAAA4D8AAAAAAADgPwAAAAAAAOA/AAAAAAAA4D8AAAAAAADgPwAAAAAAAOA/AAAAAAAA4D8CAAAAjAAAAAEAAAAAAAAAhlHdAP///wgAAAAAAAAAAAAAAAAAAAAAAAAAAAAAAAAAAAAAZAAAAAEAAABAAAAAAAAAAAAAAAAAAAAAAAAAAAAAAAAAAAAAAAAAAAAAAAAAAAAAAAAAAAAAAAAAAAAAAAAAAAAAAAAAAAAAAAAAAAAAAAAAAAAAAAAAAAAAAAAAAAAAFAAAADwAAAAAAAAAAAAAAAAAAAkUAAAAAQAAABQAAAAUAAAAFAAAAAEAAAAAAAAAZAAAAGQAAAAAAAAAZAAAAGQAAAAVAAAAYAAAAAAAAAAAAAAADwAAACADAAAAAAAAAAAAAAEAAACgMgAAAAAAAAAAAAABAAAAf39/AAEAAABkAAAAAAAAABQAAABAHwAAAAAAACYAAAAAAAAAwOD//wAAAAAmAAAAZAAAABYAAABMAAAAAAAAAAAAAAAEAAAAAAAAAAEAAACAgIAKAAAAACgAAAAoAAAAZAAAAGQAAAAAAAAAzMzMAAAAAABQAAAAUAAAAGQAAABkAAAAAAAAABcAAAAUAAAAAAAAANwIAAD/fwAA/38AAAAAAAAJAAAABAAAAAAAAAAMAAAAEAAAAAAAAAAAAAAAAAAAAAAAAAAeAAAAaAAAAAAAAAAAAAAAAAAAAAAAAAAAAAAAECcAABAnAAAAAAAAAAAAAAAAAAAAAAAAAAAAAAAAAAAAAAAAAAAAABQAAAAAAAAAwMD/AAAAAABkAAAAMgAAAAAAAABkAAAAAAAAAH9/fwAKAAAAHwAAAFQAAACGUd0A////AQAAAAAAAAAAAAAAAAAAAAAAAAAAAAAAAAAAAAAAAAAAAAAAAn9/fwCAgIADzMzMAMDA/wB/f38AAAAAAAAAAAAAAAAAAAAAAAAAAAAhAAAAGAAAABQAAAA5IAAAihIAAAImAADKFAAAECAAACYAAAAIAAAA//////////8="/>
+                <pr:smNativeData xmlns:pr="smNativeData" val="SMDATA_13_IrKAXRMAAAAlAAAAEgAAAE8BAAAAkAAAAEgAAACQAAAASAAAAAAAAAAAAAAAAAAAAAEAAABQAAAAAAAAAAAA4D8AAAAAAADgPwAAAAAAAOA/AAAAAAAA4D8AAAAAAADgPwAAAAAAAOA/AAAAAAAA4D8AAAAAAADgPwAAAAAAAOA/AAAAAAAA4D8CAAAAjAAAAAEAAAAAAAAAhlHdAP///wgAAAAAAAAAAAAAAAAAAAAAAAAAAAAAAAAAAAAAZAAAAAEAAABAAAAAAAAAAAAAAAAAAAAAAAAAAAAAAAAAAAAAAAAAAAAAAAAAAAAAAAAAAAAAAAAAAAAAAAAAAAAAAAAAAAAAAAAAAAAAAAAAAAAAAAAAAAAAAAAAAAAAFAAAADwAAAAAAAAAAAAAAAAAAAkUAAAAAQAAABQAAAAUAAAAFAAAAAEAAAAAAAAAZAAAAGQAAAAAAAAAZAAAAGQAAAAVAAAAYAAAAAAAAAAAAAAADwAAACADAAAAAAAAAAAAAAEAAACgMgAAAAAAAAAAAAABAAAAf39/AAEAAABkAAAAAAAAABQAAABAHwAAAAAAACYAAAAAAAAAwOD//wAAAAAmAAAAZAAAABYAAABMAAAAAAAAAAAAAAAEAAAAAAAAAAEAAACAgIAKAAAAACgAAAAoAAAAZAAAAGQAAAAAAAAAzMzMAAAAAABQAAAAUAAAAGQAAABkAAAAAAAAABcAAAAUAAAAAAAAANwIAAD/fwAA/38AAAAAAAAJAAAABAAAAAAAAAAMAAAAEAAAAAAAAAAAAAAAAAAAAAAAAAAeAAAAaAAAAAAAAAAAAAAAAAAAAAAAAAAAAAAAECcAABAnAAAAAAAAAAAAAAAAAAAAAAAAAAAAAAAAAAAAAAAAAAAAABQAAAAAAAAAwMD/AAAAAABkAAAAMgAAAAAAAABkAAAAAAAAAH9/fwAKAAAAHwAAAFQAAACGUd0A////AQAAAAAAAAAAAAAAAAAAAAAAAAAAAAAAAAAAAAAAAAAAAAAAAn9/fwCAgIADzMzMAMDA/wB/f38AAAAAAAAAAAAAAAAAAAAAAAAAAAAhAAAAGAAAABQAAAA5IAAAihIAAAImAADKFAAAECAAACYAAAAIAAAA//////////8="/>
               </a:ext>
             </a:extLst>
           </p:cNvSpPr>
@@ -16316,7 +16330,7 @@
           <p:cNvSpPr txBox="1">
             <a:extLst>
               <a:ext uri="smNativeData">
-                <pr:smNativeData xmlns:pr="smNativeData" val="SMDATA_13_BbpsXRMAAAAlAAAAEgAAAE8BAAAAkAAAAEgAAACQAAAASAAAAAAAAAAAAAAAAAAAAAEAAABQAAAAAAAAAAAA4D8AAAAAAADgPwAAAAAAAOA/AAAAAAAA4D8AAAAAAADgPwAAAAAAAOA/AAAAAAAA4D8AAAAAAADgPwAAAAAAAOA/AAAAAAAA4D8CAAAAjAAAAAEAAAAAAAAAhlHdAP///wgAAAAAAAAAAAAAAAAAAAAAAAAAAAAAAAAAAAAAZAAAAAEAAABAAAAAAAAAAAAAAAAAAAAAAAAAAAAAAAAAAAAAAAAAAAAAAAAAAAAAAAAAAAAAAAAAAAAAAAAAAAAAAAAAAAAAAAAAAAAAAAAAAAAAAAAAAAAAAAAAAAAAFAAAADwAAAAAAAAAAAAAAAAAAAkUAAAAAQAAABQAAAAUAAAAFAAAAAEAAAAAAAAAZAAAAGQAAAAAAAAAZAAAAGQAAAAVAAAAYAAAAAAAAAAAAAAADwAAACADAAAAAAAAAAAAAAEAAACgMgAAAAAAAAAAAAABAAAAf39/AAEAAABkAAAAAAAAABQAAABAHwAAAAAAACYAAAAAAAAAwOD//wAAAAAmAAAAZAAAABYAAABMAAAAAAAAAAAAAAAEAAAAAAAAAAEAAACAgIAKAAAAACgAAAAoAAAAZAAAAGQAAAAAAAAAzMzMAAAAAABQAAAAUAAAAGQAAABkAAAAAAAAABcAAAAUAAAAAAAAANwIAAD/fwAA/38AAAAAAAAJAAAABAAAAAAAAAAMAAAAEAAAAAAAAAAAAAAAAAAAAAAAAAAeAAAAaAAAAAAAAAAAAAAAAAAAAAAAAAAAAAAAECcAABAnAAAAAAAAAAAAAAAAAAAAAAAAAAAAAAAAAAAAAAAAAAAAABQAAAAAAAAAwMD/AAAAAABkAAAAMgAAAAAAAABkAAAAAAAAAH9/fwAKAAAAHwAAAFQAAACGUd0A////AQAAAAAAAAAAAAAAAAAAAAAAAAAAAAAAAAAAAAAAAAAAAAAAAn9/fwCAgIADzMzMAMDA/wB/f38AAAAAAAAAAAAAAAAAAAAAAAAAAAAhAAAAGAAAABQAAAAKJwAAVRUAAMcsAABlFwAAECAAACYAAAAIAAAA//////////8="/>
+                <pr:smNativeData xmlns:pr="smNativeData" val="SMDATA_13_IrKAXRMAAAAlAAAAEgAAAE8BAAAAkAAAAEgAAACQAAAASAAAAAAAAAAAAAAAAAAAAAEAAABQAAAAAAAAAAAA4D8AAAAAAADgPwAAAAAAAOA/AAAAAAAA4D8AAAAAAADgPwAAAAAAAOA/AAAAAAAA4D8AAAAAAADgPwAAAAAAAOA/AAAAAAAA4D8CAAAAjAAAAAEAAAAAAAAAhlHdAP///wgAAAAAAAAAAAAAAAAAAAAAAAAAAAAAAAAAAAAAZAAAAAEAAABAAAAAAAAAAAAAAAAAAAAAAAAAAAAAAAAAAAAAAAAAAAAAAAAAAAAAAAAAAAAAAAAAAAAAAAAAAAAAAAAAAAAAAAAAAAAAAAAAAAAAAAAAAAAAAAAAAAAAFAAAADwAAAAAAAAAAAAAAAAAAAkUAAAAAQAAABQAAAAUAAAAFAAAAAEAAAAAAAAAZAAAAGQAAAAAAAAAZAAAAGQAAAAVAAAAYAAAAAAAAAAAAAAADwAAACADAAAAAAAAAAAAAAEAAACgMgAAAAAAAAAAAAABAAAAf39/AAEAAABkAAAAAAAAABQAAABAHwAAAAAAACYAAAAAAAAAwOD//wAAAAAmAAAAZAAAABYAAABMAAAAAAAAAAAAAAAEAAAAAAAAAAEAAACAgIAKAAAAACgAAAAoAAAAZAAAAGQAAAAAAAAAzMzMAAAAAABQAAAAUAAAAGQAAABkAAAAAAAAABcAAAAUAAAAAAAAANwIAAD/fwAA/38AAAAAAAAJAAAABAAAAAAAAAAMAAAAEAAAAAAAAAAAAAAAAAAAAAAAAAAeAAAAaAAAAAAAAAAAAAAAAAAAAAAAAAAAAAAAECcAABAnAAAAAAAAAAAAAAAAAAAAAAAAAAAAAAAAAAAAAAAAAAAAABQAAAAAAAAAwMD/AAAAAABkAAAAMgAAAAAAAABkAAAAAAAAAH9/fwAKAAAAHwAAAFQAAACGUd0A////AQAAAAAAAAAAAAAAAAAAAAAAAAAAAAAAAAAAAAAAAAAAAAAAAn9/fwCAgIADzMzMAMDA/wB/f38AAAAAAAAAAAAAAAAAAAAAAAAAAAAhAAAAGAAAABQAAAAKJwAAVRUAAMcsAABlFwAAECAAACYAAAAIAAAA//////////8="/>
               </a:ext>
             </a:extLst>
           </p:cNvSpPr>
@@ -16363,7 +16377,7 @@
           <p:cNvSpPr txBox="1">
             <a:extLst>
               <a:ext uri="smNativeData">
-                <pr:smNativeData xmlns:pr="smNativeData" val="SMDATA_13_BbpsXRMAAAAlAAAAEgAAAE8BAAAAkAAAAEgAAACQAAAASAAAAAAAAAAAAAAAAAAAAAEAAABQAAAAAAAAAAAA4D8AAAAAAADgPwAAAAAAAOA/AAAAAAAA4D8AAAAAAADgPwAAAAAAAOA/AAAAAAAA4D8AAAAAAADgPwAAAAAAAOA/AAAAAAAA4D8CAAAAjAAAAAEAAAAAAAAAhlHdAP///wgAAAAAAAAAAAAAAAAAAAAAAAAAAAAAAAAAAAAAZAAAAAEAAABAAAAAAAAAAAAAAAAAAAAAAAAAAAAAAAAAAAAAAAAAAAAAAAAAAAAAAAAAAAAAAAAAAAAAAAAAAAAAAAAAAAAAAAAAAAAAAAAAAAAAAAAAAAAAAAAAAAAAFAAAADwAAAAAAAAAAAAAAAAAAAkUAAAAAQAAABQAAAAUAAAAFAAAAAEAAAAAAAAAZAAAAGQAAAAAAAAAZAAAAGQAAAAVAAAAYAAAAAAAAAAAAAAADwAAACADAAAAAAAAAAAAAAEAAACgMgAAAAAAAAAAAAABAAAAf39/AAEAAABkAAAAAAAAABQAAABAHwAAAAAAACYAAAAAAAAAwOD//wAAAAAmAAAAZAAAABYAAABMAAAAAAAAAAAAAAAEAAAAAAAAAAEAAACAgIAKAAAAACgAAAAoAAAAZAAAAGQAAAAAAAAAzMzMAAAAAABQAAAAUAAAAGQAAABkAAAAAAAAABcAAAAUAAAAAAAAANwIAAD/fwAA/38AAAAAAAAJAAAABAAAAAAA4WwMAAAAEAAAAAAAAAAAAAAAAAAAAAAAAAAeAAAAaAAAAAAAAAAAAAAAAAAAAAAAAAAAAAAAECcAABAnAAAAAAAAAAAAAAAAAAAAAAAAAAAAAAAAAAAAAAAAAAAAABQAAAAAAAAAwMD/AAAAAABkAAAAMgAAAAAAAABkAAAAAAAAAH9/fwAKAAAAHwAAAFQAAACGUd0A////AQAAAAAAAAAAAAAAAAAAAAAAAAAAAAAAAAAAAAAAAAAAAAAAAn9/fwCAgIADzMzMAMDA/wB/f38AAAAAAAAAAAAAAAAAAAAAAAAAAAAhAAAAGAAAABQAAAAKJwAAihIAANMsAADKFAAAECAAACYAAAAIAAAA//////////8="/>
+                <pr:smNativeData xmlns:pr="smNativeData" val="SMDATA_13_IrKAXRMAAAAlAAAAEgAAAE8BAAAAkAAAAEgAAACQAAAASAAAAAAAAAAAAAAAAAAAAAEAAABQAAAAAAAAAAAA4D8AAAAAAADgPwAAAAAAAOA/AAAAAAAA4D8AAAAAAADgPwAAAAAAAOA/AAAAAAAA4D8AAAAAAADgPwAAAAAAAOA/AAAAAAAA4D8CAAAAjAAAAAEAAAAAAAAAhlHdAP///wgAAAAAAAAAAAAAAAAAAAAAAAAAAAAAAAAAAAAAZAAAAAEAAABAAAAAAAAAAAAAAAAAAAAAAAAAAAAAAAAAAAAAAAAAAAAAAAAAAAAAAAAAAAAAAAAAAAAAAAAAAAAAAAAAAAAAAAAAAAAAAAAAAAAAAAAAAAAAAAAAAAAAFAAAADwAAAAAAAAAAAAAAAAAAAkUAAAAAQAAABQAAAAUAAAAFAAAAAEAAAAAAAAAZAAAAGQAAAAAAAAAZAAAAGQAAAAVAAAAYAAAAAAAAAAAAAAADwAAACADAAAAAAAAAAAAAAEAAACgMgAAAAAAAAAAAAABAAAAf39/AAEAAABkAAAAAAAAABQAAABAHwAAAAAAACYAAAAAAAAAwOD//wAAAAAmAAAAZAAAABYAAABMAAAAAAAAAAAAAAAEAAAAAAAAAAEAAACAgIAKAAAAACgAAAAoAAAAZAAAAGQAAAAAAAAAzMzMAAAAAABQAAAAUAAAAGQAAABkAAAAAAAAABcAAAAUAAAAAAAAANwIAAD/fwAA/38AAAAAAAAJAAAABAAAAAAA4WwMAAAAEAAAAAAAAAAAAAAAAAAAAAAAAAAeAAAAaAAAAAAAAAAAAAAAAAAAAAAAAAAAAAAAECcAABAnAAAAAAAAAAAAAAAAAAAAAAAAAAAAAAAAAAAAAAAAAAAAABQAAAAAAAAAwMD/AAAAAABkAAAAMgAAAAAAAABkAAAAAAAAAH9/fwAKAAAAHwAAAFQAAACGUd0A////AQAAAAAAAAAAAAAAAAAAAAAAAAAAAAAAAAAAAAAAAAAAAAAAAn9/fwCAgIADzMzMAMDA/wB/f38AAAAAAAAAAAAAAAAAAAAAAAAAAAAhAAAAGAAAABQAAAAKJwAAihIAANMsAADKFAAAECAAACYAAAAIAAAA//////////8="/>
               </a:ext>
             </a:extLst>
           </p:cNvSpPr>
@@ -16408,7 +16422,7 @@
           <p:cNvSpPr txBox="1">
             <a:extLst>
               <a:ext uri="smNativeData">
-                <pr:smNativeData xmlns:pr="smNativeData" val="SMDATA_13_BbpsXRMAAAAlAAAAEgAAAE8BAAAAkAAAAEgAAACQAAAASAAAAAAAAAAAAAAAAAAAAAEAAABQAAAAAAAAAAAA4D8AAAAAAADgPwAAAAAAAOA/AAAAAAAA4D8AAAAAAADgPwAAAAAAAOA/AAAAAAAA4D8AAAAAAADgPwAAAAAAAOA/AAAAAAAA4D8CAAAAjAAAAAEAAAAAAAAAhlHdAP///wgAAAAAAAAAAAAAAAAAAAAAAAAAAAAAAAAAAAAAZAAAAAEAAABAAAAAAAAAAAAAAAAAAAAAAAAAAAAAAAAAAAAAAAAAAAAAAAAAAAAAAAAAAAAAAAAAAAAAAAAAAAAAAAAAAAAAAAAAAAAAAAAAAAAAAAAAAAAAAAAAAAAAFAAAADwAAAAAAAAAAAAAAAAAAAkUAAAAAQAAABQAAAAUAAAAFAAAAAEAAAAAAAAAZAAAAGQAAAAAAAAAZAAAAGQAAAAVAAAAYAAAAAAAAAAAAAAADwAAACADAAAAAAAAAAAAAAEAAACgMgAAAAAAAAAAAAABAAAAf39/AAEAAABkAAAAAAAAABQAAABAHwAAAAAAACYAAAAAAAAAwOD//wAAAAAmAAAAZAAAABYAAABMAAAAAAAAAAAAAAAEAAAAAAAAAAEAAACAgIAKAAAAACgAAAAoAAAAZAAAAGQAAAAAAAAAzMzMAAAAAABQAAAAUAAAAGQAAABkAAAAAAAAABcAAAAUAAAAAAAAANwIAAD/fwAA/38AAAAAAAAJAAAABAAAABQFAAAMAAAAEAAAAAAAAAAAAAAAAAAAAAAAAAAeAAAAaAAAAAAAAAAAAAAAAAAAAAAAAAAAAAAAECcAABAnAAAAAAAAAAAAAAAAAAAAAAAAAAAAAAAAAAAAAAAAAAAAABQAAAAAAAAAwMD/AAAAAABkAAAAMgAAAAAAAABkAAAAAAAAAH9/fwAKAAAAHwAAAFQAAACGUd0A////AQAAAAAAAAAAAAAAAAAAAAAAAAAAAAAAAAAAAAAAAAAAAAAAAn9/fwCAgIADzMzMAMDA/wB/f38AAAAAAAAAAAAAAAAAAAAAAAAAAAAhAAAAGAAAABQAAAC2LQAAVRUAAHMzAABlFwAAECAAACYAAAAIAAAA//////////8="/>
+                <pr:smNativeData xmlns:pr="smNativeData" val="SMDATA_13_IrKAXRMAAAAlAAAAEgAAAE8BAAAAkAAAAEgAAACQAAAASAAAAAAAAAAAAAAAAAAAAAEAAABQAAAAAAAAAAAA4D8AAAAAAADgPwAAAAAAAOA/AAAAAAAA4D8AAAAAAADgPwAAAAAAAOA/AAAAAAAA4D8AAAAAAADgPwAAAAAAAOA/AAAAAAAA4D8CAAAAjAAAAAEAAAAAAAAAhlHdAP///wgAAAAAAAAAAAAAAAAAAAAAAAAAAAAAAAAAAAAAZAAAAAEAAABAAAAAAAAAAAAAAAAAAAAAAAAAAAAAAAAAAAAAAAAAAAAAAAAAAAAAAAAAAAAAAAAAAAAAAAAAAAAAAAAAAAAAAAAAAAAAAAAAAAAAAAAAAAAAAAAAAAAAFAAAADwAAAAAAAAAAAAAAAAAAAkUAAAAAQAAABQAAAAUAAAAFAAAAAEAAAAAAAAAZAAAAGQAAAAAAAAAZAAAAGQAAAAVAAAAYAAAAAAAAAAAAAAADwAAACADAAAAAAAAAAAAAAEAAACgMgAAAAAAAAAAAAABAAAAf39/AAEAAABkAAAAAAAAABQAAABAHwAAAAAAACYAAAAAAAAAwOD//wAAAAAmAAAAZAAAABYAAABMAAAAAAAAAAAAAAAEAAAAAAAAAAEAAACAgIAKAAAAACgAAAAoAAAAZAAAAGQAAAAAAAAAzMzMAAAAAABQAAAAUAAAAGQAAABkAAAAAAAAABcAAAAUAAAAAAAAANwIAAD/fwAA/38AAAAAAAAJAAAABAAAABQFAAAMAAAAEAAAAAAAAAAAAAAAAAAAAAAAAAAeAAAAaAAAAAAAAAAAAAAAAAAAAAAAAAAAAAAAECcAABAnAAAAAAAAAAAAAAAAAAAAAAAAAAAAAAAAAAAAAAAAAAAAABQAAAAAAAAAwMD/AAAAAABkAAAAMgAAAAAAAABkAAAAAAAAAH9/fwAKAAAAHwAAAFQAAACGUd0A////AQAAAAAAAAAAAAAAAAAAAAAAAAAAAAAAAAAAAAAAAAAAAAAAAn9/fwCAgIADzMzMAMDA/wB/f38AAAAAAAAAAAAAAAAAAAAAAAAAAAAhAAAAGAAAABQAAAC2LQAAVRUAAHMzAABlFwAAECAAACYAAAAIAAAA//////////8="/>
               </a:ext>
             </a:extLst>
           </p:cNvSpPr>
@@ -16455,7 +16469,7 @@
           <p:cNvSpPr txBox="1">
             <a:extLst>
               <a:ext uri="smNativeData">
-                <pr:smNativeData xmlns:pr="smNativeData" val="SMDATA_13_BbpsXRMAAAAlAAAAEgAAAE8BAAAAkAAAAEgAAACQAAAASAAAAAAAAAAAAAAAAAAAAAEAAABQAAAAAAAAAAAA4D8AAAAAAADgPwAAAAAAAOA/AAAAAAAA4D8AAAAAAADgPwAAAAAAAOA/AAAAAAAA4D8AAAAAAADgPwAAAAAAAOA/AAAAAAAA4D8CAAAAjAAAAAEAAAAAAAAAhlHdAP///wgAAAAAAAAAAAAAAAAAAAAAAAAAAAAAAAAAAAAAZAAAAAEAAABAAAAAAAAAAAAAAAAAAAAAAAAAAAAAAAAAAAAAAAAAAAAAAAAAAAAAAAAAAAAAAAAAAAAAAAAAAAAAAAAAAAAAAAAAAAAAAAAAAAAAAAAAAAAAAAAAAAAAFAAAADwAAAAAAAAAAAAAAAAAAAkUAAAAAQAAABQAAAAUAAAAFAAAAAEAAAAAAAAAZAAAAGQAAAAAAAAAZAAAAGQAAAAVAAAAYAAAAAAAAAAAAAAADwAAACADAAAAAAAAAAAAAAEAAACgMgAAAAAAAAAAAAABAAAAf39/AAEAAABkAAAAAAAAABQAAABAHwAAAAAAACYAAAAAAAAAwOD//wAAAAAmAAAAZAAAABYAAABMAAAAAAAAAAAAAAAEAAAAAAAAAAEAAACAgIAKAAAAACgAAAAoAAAAZAAAAGQAAAAAAAAAzMzMAAAAAABQAAAAUAAAAGQAAABkAAAAAAAAABcAAAAUAAAAAAAAANwIAAD/fwAA/38AAAAAAAAJAAAABAAAAAAAAAAMAAAAEAAAAAAAAAAAAAAAAAAAAAAAAAAeAAAAaAAAAAAAAAAAAAAAAAAAAAAAAAAAAAAAECcAABAnAAAAAAAAAAAAAAAAAAAAAAAAAAAAAAAAAAAAAAAAAAAAABQAAAAAAAAAwMD/AAAAAABkAAAAMgAAAAAAAABkAAAAAAAAAH9/fwAKAAAAHwAAAFQAAACGUd0A////AQAAAAAAAAAAAAAAAAAAAAAAAAAAAAAAAAAAAAAAAAAAAAAAAn9/fwCAgIADzMzMAMDA/wB/f38AAAAAAAAAAAAAAAAAAAAAAAAAAAAhAAAAGAAAABQAAACqLQAAihIAAHMzAADKFAAAECAAACYAAAAIAAAA//////////8="/>
+                <pr:smNativeData xmlns:pr="smNativeData" val="SMDATA_13_IrKAXRMAAAAlAAAAEgAAAE8BAAAAkAAAAEgAAACQAAAASAAAAAAAAAAAAAAAAAAAAAEAAABQAAAAAAAAAAAA4D8AAAAAAADgPwAAAAAAAOA/AAAAAAAA4D8AAAAAAADgPwAAAAAAAOA/AAAAAAAA4D8AAAAAAADgPwAAAAAAAOA/AAAAAAAA4D8CAAAAjAAAAAEAAAAAAAAAhlHdAP///wgAAAAAAAAAAAAAAAAAAAAAAAAAAAAAAAAAAAAAZAAAAAEAAABAAAAAAAAAAAAAAAAAAAAAAAAAAAAAAAAAAAAAAAAAAAAAAAAAAAAAAAAAAAAAAAAAAAAAAAAAAAAAAAAAAAAAAAAAAAAAAAAAAAAAAAAAAAAAAAAAAAAAFAAAADwAAAAAAAAAAAAAAAAAAAkUAAAAAQAAABQAAAAUAAAAFAAAAAEAAAAAAAAAZAAAAGQAAAAAAAAAZAAAAGQAAAAVAAAAYAAAAAAAAAAAAAAADwAAACADAAAAAAAAAAAAAAEAAACgMgAAAAAAAAAAAAABAAAAf39/AAEAAABkAAAAAAAAABQAAABAHwAAAAAAACYAAAAAAAAAwOD//wAAAAAmAAAAZAAAABYAAABMAAAAAAAAAAAAAAAEAAAAAAAAAAEAAACAgIAKAAAAACgAAAAoAAAAZAAAAGQAAAAAAAAAzMzMAAAAAABQAAAAUAAAAGQAAABkAAAAAAAAABcAAAAUAAAAAAAAANwIAAD/fwAA/38AAAAAAAAJAAAABAAAAAAAAAAMAAAAEAAAAAAAAAAAAAAAAAAAAAAAAAAeAAAAaAAAAAAAAAAAAAAAAAAAAAAAAAAAAAAAECcAABAnAAAAAAAAAAAAAAAAAAAAAAAAAAAAAAAAAAAAAAAAAAAAABQAAAAAAAAAwMD/AAAAAABkAAAAMgAAAAAAAABkAAAAAAAAAH9/fwAKAAAAHwAAAFQAAACGUd0A////AQAAAAAAAAAAAAAAAAAAAAAAAAAAAAAAAAAAAAAAAAAAAAAAAn9/fwCAgIADzMzMAMDA/wB/f38AAAAAAAAAAAAAAAAAAAAAAAAAAAAhAAAAGAAAABQAAACqLQAAihIAAHMzAADKFAAAECAAACYAAAAIAAAA//////////8="/>
               </a:ext>
             </a:extLst>
           </p:cNvSpPr>
@@ -16501,7 +16515,7 @@
             <a:picLocks noChangeAspect="1"/>
             <a:extLst>
               <a:ext uri="smNativeData">
-                <pr:smNativeData xmlns:pr="smNativeData" val="SMDATA_15_BbpsXRMAAAAlAAAAEQAAAC8BAAAAkAAAAEgAAACQAAAASAAAAAAAAAAAAAAAAAAAAAEAAABQAAAAAAAAAAAA4D8AAAAAAADgPwAAAAAAAOA/AAAAAAAA4D8AAAAAAADgPwAAAAAAAOA/AAAAAAAA4D8AAAAAAADgPwAAAAAAAOA/AAAAAAAA4D8CAAAAjAAAAAAAAAAAAAAAu+DjDP///wgAAAAAAAAAAAAAAAAAAAAAAAAAAAAAAAAAAAAAZAAAAAEAAABAAAAAAAAAAAAAAAAAAAAAAAAAAAAAAAAAAAAAAAAAAAAAAAAAAAAAAAAAAAAAAAAAAAAAAAAAAAAAAAAAAAAAAAAAAAAAAAAAAAAAAAAAAAAAAAAAAAAAFAAAADwAAAAAAAAAAAAAAAAAAAkUAAAAAQAAABQAAAAUAAAAFAAAAAEAAAAAAAAAZAAAAGQAAAAAAAAAZAAAAGQAAAAVAAAAYAAAAAAAAAAAAAAADwAAACADAAAAAAAAAAAAAAEAAACgMgAAAAAAAAAAAAABAAAAf39/AAEAAABkAAAAAAAAABQAAABAHwAAAAAAACYAAAAAAAAAwOD//wAAAAAmAAAAZAAAABYAAABMAAAAAAAAAAAAAAAEAAAAAAAAAAEAAACAgIAKAAAAACgAAAAoAAAAZAAAAGQAAAAAAAAAzMzMAAAAAABQAAAAUAAAAGQAAABkAAAAAAAAAAcAAAA4AAAAAAAAAAAAAAAAAAAA////AAAAAAAAAAAAAAAAAAAAAAAAAAAAAAAAAAAAAABkAAAAZAAAAAAAAAAjAAAABAAAAGQAAAAXAAAAFAAAAAAAAAAAAAAA/38AAP9/AAAAAAAACQAAAAQAAABNPwAADAAAABAAAAAAAAAAAAAAAAAAAAAAAAAAHgAAAGgAAAAAAAAAAAAAAAAAAAAAAAAAAAAAABAnAAAQJwAAAAAAAAAAAAAAAAAAAAAAAAAAAAAAAAAAAAAAAAAAAAAUAAAAAAAAAMDA/wAAAAAAZAAAADIAAAAAAAAAZAAAAAAAAAB/f38ACgAAAB8AAABUAAAAu+DjBf///wEAAAAAAAAAAAAAAAAAAAAAAAAAAAAAAAAAAAAAAAAAAAAAAAJ/f38AgICAA8zMzADAwP8Af39/AAAAAAAAAAAAAAAAAP///wAAAAAAIQAAABgAAAAUAAAAzCAAAJoZAACFJQAAEygAABAAAAAmAAAACAAAAP//////////"/>
+                <pr:smNativeData xmlns:pr="smNativeData" val="SMDATA_15_IrKAXRMAAAAlAAAAEQAAAC8BAAAAkAAAAEgAAACQAAAASAAAAAAAAAAAAAAAAAAAAAEAAABQAAAAAAAAAAAA4D8AAAAAAADgPwAAAAAAAOA/AAAAAAAA4D8AAAAAAADgPwAAAAAAAOA/AAAAAAAA4D8AAAAAAADgPwAAAAAAAOA/AAAAAAAA4D8CAAAAjAAAAAAAAAAAAAAAu+DjDP///wgAAAAAAAAAAAAAAAAAAAAAAAAAAAAAAAAAAAAAZAAAAAEAAABAAAAAAAAAAAAAAAAAAAAAAAAAAAAAAAAAAAAAAAAAAAAAAAAAAAAAAAAAAAAAAAAAAAAAAAAAAAAAAAAAAAAAAAAAAAAAAAAAAAAAAAAAAAAAAAAAAAAAFAAAADwAAAAAAAAAAAAAAAAAAAkUAAAAAQAAABQAAAAUAAAAFAAAAAEAAAAAAAAAZAAAAGQAAAAAAAAAZAAAAGQAAAAVAAAAYAAAAAAAAAAAAAAADwAAACADAAAAAAAAAAAAAAEAAACgMgAAAAAAAAAAAAABAAAAf39/AAEAAABkAAAAAAAAABQAAABAHwAAAAAAACYAAAAAAAAAwOD//wAAAAAmAAAAZAAAABYAAABMAAAAAAAAAAAAAAAEAAAAAAAAAAEAAACAgIAKAAAAACgAAAAoAAAAZAAAAGQAAAAAAAAAzMzMAAAAAABQAAAAUAAAAGQAAABkAAAAAAAAAAcAAAA4AAAAAAAAAAAAAAAAAAAA////AAAAAAAAAAAAAAAAAAAAAAAAAAAAAAAAAAAAAABkAAAAZAAAAAAAAAAjAAAABAAAAGQAAAAXAAAAFAAAAAAAAAAAAAAA/38AAP9/AAAAAAAACQAAAAQAAABNPwAADAAAABAAAAAAAAAAAAAAAAAAAAAAAAAAHgAAAGgAAAAAAAAAAAAAAAAAAAAAAAAAAAAAABAnAAAQJwAAAAAAAAAAAAAAAAAAAAAAAAAAAAAAAAAAAAAAAAAAAAAUAAAAAAAAAMDA/wAAAAAAZAAAADIAAAAAAAAAZAAAAAAAAAB/f38ACgAAAB8AAABUAAAAu+DjBf///wEAAAAAAAAAAAAAAAAAAAAAAAAAAAAAAAAAAAAAAAAAAAAAAAJ/f38AgICAA8zMzADAwP8Af39/AAAAAAAAAAAAAAAAAP///wAAAAAAIQAAABgAAAAUAAAAzCAAAJoZAACFJQAAEygAABAAAAAmAAAACAAAAP//////////"/>
               </a:ext>
             </a:extLst>
           </p:cNvPicPr>
@@ -16535,7 +16549,7 @@
             <a:picLocks noChangeAspect="1"/>
             <a:extLst>
               <a:ext uri="smNativeData">
-                <pr:smNativeData xmlns:pr="smNativeData" val="SMDATA_15_BbpsXRMAAAAlAAAAEQAAAC8BAAAAkAAAAEgAAACQAAAASAAAAAAAAAAAAAAAAAAAAAEAAABQAAAAAAAAAAAA4D8AAAAAAADgPwAAAAAAAOA/AAAAAAAA4D8AAAAAAADgPwAAAAAAAOA/AAAAAAAA4D8AAAAAAADgPwAAAAAAAOA/AAAAAAAA4D8CAAAAjAAAAAAAAAAAAAAAu+DjDP///wgAAAAAAAAAAAAAAAAAAAAAAAAAAAAAAAAAAAAAZAAAAAEAAABAAAAAAAAAAAAAAAAAAAAAAAAAAAAAAAAAAAAAAAAAAAAAAAAAAAAAAAAAAAAAAAAAAAAAAAAAAAAAAAAAAAAAAAAAAAAAAAAAAAAAAAAAAAAAAAAAAAAAFAAAADwAAAAAAAAAAAAAAAAAAAkUAAAAAQAAABQAAAAUAAAAFAAAAAEAAAAAAAAAZAAAAGQAAAAAAAAAZAAAAGQAAAAVAAAAYAAAAAAAAAAAAAAADwAAACADAAAAAAAAAAAAAAEAAACgMgAAAAAAAAAAAAABAAAAf39/AAEAAABkAAAAAAAAABQAAABAHwAAAAAAACYAAAAAAAAAwOD//wAAAAAmAAAAZAAAABYAAABMAAAAAAAAAAAAAAAEAAAAAAAAAAEAAACAgIAKAAAAACgAAAAoAAAAZAAAAGQAAAAAAAAAzMzMAAAAAABQAAAAUAAAAGQAAABkAAAAAAAAAAcAAAA4AAAAAAAAAAAAAAAAAAAA////AAAAAAAAAAAAAAAAAAAAAAAAAAAAAAAAAAAAAABkAAAAZAAAAAAAAAAjAAAABAAAAGQAAAAXAAAAFAAAAAAAAAAAAAAA/38AAP9/AAAAAAAACQAAAAQAAAB/PwAADAAAABAAAAAAAAAAAAAAAAAAAAAAAAAAHgAAAGgAAAAAAAAAAAAAAAAAAAAAAAAAAAAAABAnAAAQJwAAAAAAAAAAAAAAAAAAAAAAAAAAAAAAAAAAAAAAAAAAAAAUAAAAAAAAAMDA/wAAAAAAZAAAADIAAAAAAAAAZAAAAAAAAAB/f38ACgAAAB8AAABUAAAAu+DjBf///wEAAAAAAAAAAAAAAAAAAAAAAAAAAAAAAAAAAAAAAAAAAAAAAAJ/f38AgICAA8zMzADAwP8Af39/AAAAAAAAAAAAAAAAAP///wAAAAAAIQAAABgAAAAUAAAAiCcAAH8ZAABBLAAA+CcAABAAAAAmAAAACAAAAP//////////"/>
+                <pr:smNativeData xmlns:pr="smNativeData" val="SMDATA_15_IrKAXRMAAAAlAAAAEQAAAC8BAAAAkAAAAEgAAACQAAAASAAAAAAAAAAAAAAAAAAAAAEAAABQAAAAAAAAAAAA4D8AAAAAAADgPwAAAAAAAOA/AAAAAAAA4D8AAAAAAADgPwAAAAAAAOA/AAAAAAAA4D8AAAAAAADgPwAAAAAAAOA/AAAAAAAA4D8CAAAAjAAAAAAAAAAAAAAAu+DjDP///wgAAAAAAAAAAAAAAAAAAAAAAAAAAAAAAAAAAAAAZAAAAAEAAABAAAAAAAAAAAAAAAAAAAAAAAAAAAAAAAAAAAAAAAAAAAAAAAAAAAAAAAAAAAAAAAAAAAAAAAAAAAAAAAAAAAAAAAAAAAAAAAAAAAAAAAAAAAAAAAAAAAAAFAAAADwAAAAAAAAAAAAAAAAAAAkUAAAAAQAAABQAAAAUAAAAFAAAAAEAAAAAAAAAZAAAAGQAAAAAAAAAZAAAAGQAAAAVAAAAYAAAAAAAAAAAAAAADwAAACADAAAAAAAAAAAAAAEAAACgMgAAAAAAAAAAAAABAAAAf39/AAEAAABkAAAAAAAAABQAAABAHwAAAAAAACYAAAAAAAAAwOD//wAAAAAmAAAAZAAAABYAAABMAAAAAAAAAAAAAAAEAAAAAAAAAAEAAACAgIAKAAAAACgAAAAoAAAAZAAAAGQAAAAAAAAAzMzMAAAAAABQAAAAUAAAAGQAAABkAAAAAAAAAAcAAAA4AAAAAAAAAAAAAAAAAAAA////AAAAAAAAAAAAAAAAAAAAAAAAAAAAAAAAAAAAAABkAAAAZAAAAAAAAAAjAAAABAAAAGQAAAAXAAAAFAAAAAAAAAAAAAAA/38AAP9/AAAAAAAACQAAAAQAAAB/PwAADAAAABAAAAAAAAAAAAAAAAAAAAAAAAAAHgAAAGgAAAAAAAAAAAAAAAAAAAAAAAAAAAAAABAnAAAQJwAAAAAAAAAAAAAAAAAAAAAAAAAAAAAAAAAAAAAAAAAAAAAUAAAAAAAAAMDA/wAAAAAAZAAAADIAAAAAAAAAZAAAAAAAAAB/f38ACgAAAB8AAABUAAAAu+DjBf///wEAAAAAAAAAAAAAAAAAAAAAAAAAAAAAAAAAAAAAAAAAAAAAAAJ/f38AgICAA8zMzADAwP8Af39/AAAAAAAAAAAAAAAAAP///wAAAAAAIQAAABgAAAAUAAAAiCcAAH8ZAABBLAAA+CcAABAAAAAmAAAACAAAAP//////////"/>
               </a:ext>
             </a:extLst>
           </p:cNvPicPr>
@@ -16569,7 +16583,7 @@
             <a:picLocks noChangeAspect="1"/>
             <a:extLst>
               <a:ext uri="smNativeData">
-                <pr:smNativeData xmlns:pr="smNativeData" val="SMDATA_15_BbpsXRMAAAAlAAAAEQAAAC8BAAAAkAAAAEgAAACQAAAASAAAAAAAAAAAAAAAAAAAAAEAAABQAAAAAAAAAAAA4D8AAAAAAADgPwAAAAAAAOA/AAAAAAAA4D8AAAAAAADgPwAAAAAAAOA/AAAAAAAA4D8AAAAAAADgPwAAAAAAAOA/AAAAAAAA4D8CAAAAjAAAAAAAAAAAAAAAu+DjDP///wgAAAAAAAAAAAAAAAAAAAAAAAAAAAAAAAAAAAAAZAAAAAEAAABAAAAAAAAAAAAAAAAAAAAAAAAAAAAAAAAAAAAAAAAAAAAAAAAAAAAAAAAAAAAAAAAAAAAAAAAAAAAAAAAAAAAAAAAAAAAAAAAAAAAAAAAAAAAAAAAAAAAAFAAAADwAAAAAAAAAAAAAAAAAAAkUAAAAAQAAABQAAAAUAAAAFAAAAAEAAAAAAAAAZAAAAGQAAAAAAAAAZAAAAGQAAAAVAAAAYAAAAAAAAAAAAAAADwAAACADAAAAAAAAAAAAAAEAAACgMgAAAAAAAAAAAAABAAAAf39/AAEAAABkAAAAAAAAABQAAABAHwAAAAAAACYAAAAAAAAAwOD//wAAAAAmAAAAZAAAABYAAABMAAAAAAAAAAAAAAAEAAAAAAAAAAEAAACAgIAKAAAAACgAAAAoAAAAZAAAAGQAAAAAAAAAzMzMAAAAAABQAAAAUAAAAGQAAABkAAAAAAAAAAcAAAA4AAAAAAAAAAAAAAAAAAAA////AAAAAAAAAAAAAAAAAAAAAAAAAAAAAAAAAAAAAABkAAAAZAAAAAAAAAAjAAAABAAAAGQAAAAXAAAAFAAAAAAAAAAAAAAA/38AAP9/AAAAAAAACQAAAAQAAABMAAAADAAAABAAAAAAAAAAAAAAAAAAAAAAAAAAHgAAAGgAAAAAAAAAAAAAAAAAAAAAAAAAAAAAABAnAAAQJwAAAAAAAAAAAAAAAAAAAAAAAAAAAAAAAAAAAAAAAAAAAAAUAAAAAAAAAMDA/wAAAAAAZAAAADIAAAAAAAAAZAAAAAAAAAB/f38ACgAAAB8AAABUAAAAu+DjBf///wEAAAAAAAAAAAAAAAAAAAAAAAAAAAAAAAAAAAAAAAAAAAAAAAJ/f38AgICAA8zMzADAwP8Af39/AAAAAAAAAAAAAAAAAP///wAAAAAAIQAAABgAAAAUAAAAWS4AAJoZAAASMwAAEygAABAAAAAmAAAACAAAAP//////////"/>
+                <pr:smNativeData xmlns:pr="smNativeData" val="SMDATA_15_IrKAXRMAAAAlAAAAEQAAAC8BAAAAkAAAAEgAAACQAAAASAAAAAAAAAAAAAAAAAAAAAEAAABQAAAAAAAAAAAA4D8AAAAAAADgPwAAAAAAAOA/AAAAAAAA4D8AAAAAAADgPwAAAAAAAOA/AAAAAAAA4D8AAAAAAADgPwAAAAAAAOA/AAAAAAAA4D8CAAAAjAAAAAAAAAAAAAAAu+DjDP///wgAAAAAAAAAAAAAAAAAAAAAAAAAAAAAAAAAAAAAZAAAAAEAAABAAAAAAAAAAAAAAAAAAAAAAAAAAAAAAAAAAAAAAAAAAAAAAAAAAAAAAAAAAAAAAAAAAAAAAAAAAAAAAAAAAAAAAAAAAAAAAAAAAAAAAAAAAAAAAAAAAAAAFAAAADwAAAAAAAAAAAAAAAAAAAkUAAAAAQAAABQAAAAUAAAAFAAAAAEAAAAAAAAAZAAAAGQAAAAAAAAAZAAAAGQAAAAVAAAAYAAAAAAAAAAAAAAADwAAACADAAAAAAAAAAAAAAEAAACgMgAAAAAAAAAAAAABAAAAf39/AAEAAABkAAAAAAAAABQAAABAHwAAAAAAACYAAAAAAAAAwOD//wAAAAAmAAAAZAAAABYAAABMAAAAAAAAAAAAAAAEAAAAAAAAAAEAAACAgIAKAAAAACgAAAAoAAAAZAAAAGQAAAAAAAAAzMzMAAAAAABQAAAAUAAAAGQAAABkAAAAAAAAAAcAAAA4AAAAAAAAAAAAAAAAAAAA////AAAAAAAAAAAAAAAAAAAAAAAAAAAAAAAAAAAAAABkAAAAZAAAAAAAAAAjAAAABAAAAGQAAAAXAAAAFAAAAAAAAAAAAAAA/38AAP9/AAAAAAAACQAAAAQAAABMAAAADAAAABAAAAAAAAAAAAAAAAAAAAAAAAAAHgAAAGgAAAAAAAAAAAAAAAAAAAAAAAAAAAAAABAnAAAQJwAAAAAAAAAAAAAAAAAAAAAAAAAAAAAAAAAAAAAAAAAAAAAUAAAAAAAAAMDA/wAAAAAAZAAAADIAAAAAAAAAZAAAAAAAAAB/f38ACgAAAB8AAABUAAAAu+DjBf///wEAAAAAAAAAAAAAAAAAAAAAAAAAAAAAAAAAAAAAAAAAAAAAAAJ/f38AgICAA8zMzADAwP8Af39/AAAAAAAAAAAAAAAAAP///wAAAAAAIQAAABgAAAAUAAAAWS4AAJoZAAASMwAAEygAABAAAAAmAAAACAAAAP//////////"/>
               </a:ext>
             </a:extLst>
           </p:cNvPicPr>
@@ -16602,7 +16616,7 @@
           <p:cNvSpPr txBox="1">
             <a:extLst>
               <a:ext uri="smNativeData">
-                <pr:smNativeData xmlns:pr="smNativeData" val="SMDATA_13_BbpsXRMAAAAlAAAAEgAAAE8BAAAAkAAAAEgAAACQAAAASAAAAAAAAAAAAAAAAAAAAAEAAABQAAAAAAAAAAAA4D8AAAAAAADgPwAAAAAAAOA/AAAAAAAA4D8AAAAAAADgPwAAAAAAAOA/AAAAAAAA4D8AAAAAAADgPwAAAAAAAOA/AAAAAAAA4D8CAAAAjAAAAAAAAAAAAAAAu+DjDP///wgAAAAAAAAAAAAAAAAAAAAAAAAAAAAAAAAAAAAAZAAAAAEAAABAAAAAAAAAAAAAAAAAAAAAAAAAAAAAAAAAAAAAAAAAAAAAAAAAAAAAAAAAAAAAAAAAAAAAAAAAAAAAAAAAAAAAAAAAAAAAAAAAAAAAAAAAAAAAAAAAAAAAFAAAADwAAAAAAAAAAAAAAAAAAAkUAAAAAQAAABQAAAAUAAAAFAAAAAEAAAAAAAAAZAAAAGQAAAAAAAAAZAAAAGQAAAAVAAAAYAAAAAAAAAAAAAAADwAAACADAAAAAAAAAAAAAAEAAACgMgAAVgcAAKr4//8BAAAAf39/AAEAAABkAAAAAAAAABQAAABAHwAAAAAAACYAAAAAAAAAwOD//wAAAAAmAAAAZAAAABYAAABMAAAAAAAAAAAAAAAEAAAAAAAAAAEAAACAgIAKAAAAACgAAAAoAAAAZAAAAGQAAAAAAAAAzMzMAAAAAABQAAAAUAAAAGQAAABkAAAAAAAAABcAAAAUAAAAAAAAANwIAAD/fwAA/38AAAAAAAAJAAAABAAAADNAAAAMAAAAEAAAAAAAAAAAAAAAAAAAAAAAAAAeAAAAaAAAAAAAAAAAAAAAAAAAAAAAAAAAAAAAECcAABAnAAAAAAAAAAAAAAAAAAAAAAAAAAAAAAAAAAAAAAAAAAAAABQAAAAAAAAAwMD/AAAAAABkAAAAMgAAAAAAAABkAAAAAAAAAH9/fwAKAAAAHwAAAFQAAAC74OMF////AQAAAAAAAAAAAAAAAAAAAAAAAAAAAAAAAAAAAAAAAAAAAAAAAn9/fwCAgIADzMzMAMDA/wB/f38AAAAAAAAAAAAAAAAAAAAAAAAAAAAhAAAAGAAAABQAAADbBAAAbwsAACkZAADfDQAAECAAACYAAAAIAAAA//////////8="/>
+                <pr:smNativeData xmlns:pr="smNativeData" val="SMDATA_13_IrKAXRMAAAAlAAAAEgAAAE8BAAAAkAAAAEgAAACQAAAASAAAAAAAAAAAAAAAAAAAAAEAAABQAAAAAAAAAAAA4D8AAAAAAADgPwAAAAAAAOA/AAAAAAAA4D8AAAAAAADgPwAAAAAAAOA/AAAAAAAA4D8AAAAAAADgPwAAAAAAAOA/AAAAAAAA4D8CAAAAjAAAAAAAAAAAAAAAu+DjDP///wgAAAAAAAAAAAAAAAAAAAAAAAAAAAAAAAAAAAAAZAAAAAEAAABAAAAAAAAAAAAAAAAAAAAAAAAAAAAAAAAAAAAAAAAAAAAAAAAAAAAAAAAAAAAAAAAAAAAAAAAAAAAAAAAAAAAAAAAAAAAAAAAAAAAAAAAAAAAAAAAAAAAAFAAAADwAAAAAAAAAAAAAAAAAAAkUAAAAAQAAABQAAAAUAAAAFAAAAAEAAAAAAAAAZAAAAGQAAAAAAAAAZAAAAGQAAAAVAAAAYAAAAAAAAAAAAAAADwAAACADAAAAAAAAAAAAAAEAAACgMgAAVgcAAKr4//8BAAAAf39/AAEAAABkAAAAAAAAABQAAABAHwAAAAAAACYAAAAAAAAAwOD//wAAAAAmAAAAZAAAABYAAABMAAAAAAAAAAAAAAAEAAAAAAAAAAEAAACAgIAKAAAAACgAAAAoAAAAZAAAAGQAAAAAAAAAzMzMAAAAAABQAAAAUAAAAGQAAABkAAAAAAAAABcAAAAUAAAAAAAAANwIAAD/fwAA/38AAAAAAAAJAAAABAAAADNAAAAMAAAAEAAAAAAAAAAAAAAAAAAAAAAAAAAeAAAAaAAAAAAAAAAAAAAAAAAAAAAAAAAAAAAAECcAABAnAAAAAAAAAAAAAAAAAAAAAAAAAAAAAAAAAAAAAAAAAAAAABQAAAAAAAAAwMD/AAAAAABkAAAAMgAAAAAAAABkAAAAAAAAAH9/fwAKAAAAHwAAAFQAAAC74OMF////AQAAAAAAAAAAAAAAAAAAAAAAAAAAAAAAAAAAAAAAAAAAAAAAAn9/fwCAgIADzMzMAMDA/wB/f38AAAAAAAAAAAAAAAAAAAAAAAAAAAAhAAAAGAAAABQAAADbBAAAbwsAACkZAADfDQAAECAAACYAAAAIAAAA//////////8="/>
               </a:ext>
             </a:extLst>
           </p:cNvSpPr>
@@ -16650,7 +16664,7 @@
           <p:cNvSpPr txBox="1">
             <a:extLst>
               <a:ext uri="smNativeData">
-                <pr:smNativeData xmlns:pr="smNativeData" val="SMDATA_13_BbpsXRMAAAAlAAAAEgAAAE8BAAAAkAAAAEgAAACQAAAASAAAAAAAAAAAAAAAAAAAAAEAAABQAAAAAAAAAAAA4D8AAAAAAADgPwAAAAAAAOA/AAAAAAAA4D8AAAAAAADgPwAAAAAAAOA/AAAAAAAA4D8AAAAAAADgPwAAAAAAAOA/AAAAAAAA4D8CAAAAjAAAAAAAAAAAAAAAu+DjDP///wgAAAAAAAAAAAAAAAAAAAAAAAAAAAAAAAAAAAAAZAAAAAEAAABAAAAAAAAAAAAAAAAAAAAAAAAAAAAAAAAAAAAAAAAAAAAAAAAAAAAAAAAAAAAAAAAAAAAAAAAAAAAAAAAAAAAAAAAAAAAAAAAAAAAAAAAAAAAAAAAAAAAAFAAAADwAAAAAAAAAAAAAAAAAAAkUAAAAAQAAABQAAAAUAAAAFAAAAAEAAAAAAAAAZAAAAGQAAAAAAAAAZAAAAGQAAAAVAAAAYAAAAAAAAAAAAAAADwAAACADAAAAAAAAAAAAAAEAAACgMgAAVgcAAKr4//8BAAAAf39/AAEAAABkAAAAAAAAABQAAABAHwAAAAAAACYAAAAAAAAAwOD//wAAAAAmAAAAZAAAABYAAABMAAAAAAAAAAAAAAAEAAAAAAAAAAEAAACAgIAKAAAAACgAAAAoAAAAZAAAAGQAAAAAAAAAzMzMAAAAAABQAAAAUAAAAGQAAABkAAAAAAAAABcAAAAUAAAAAAAAANwIAAD/fwAA/38AAAAAAAAJAAAABAAAAAAAAAAMAAAAEAAAAAAAAAAAAAAAAAAAAAAAAAAeAAAAaAAAAAAAAAAAAAAAAAAAAAAAAAAAAAAAECcAABAnAAAAAAAAAAAAAAAAAAAAAAAAAAAAAAAAAAAAAAAAAAAAABQAAAAAAAAAwMD/AAAAAABkAAAAMgAAAAAAAABkAAAAAAAAAH9/fwAKAAAAHwAAAFQAAAC74OMF////AQAAAAAAAAAAAAAAAAAAAAAAAAAAAAAAAAAAAAAAAAAAAAAAAn9/fwCAgIADzMzMAMDA/wB/f38AAAAAAAAAAAAAAAAAAAAAAAAAAAAhAAAAGAAAABQAAADIHwAAbwsAABY0AADfDQAAECAAACYAAAAIAAAA//////////8="/>
+                <pr:smNativeData xmlns:pr="smNativeData" val="SMDATA_13_IrKAXRMAAAAlAAAAEgAAAE8BAAAAkAAAAEgAAACQAAAASAAAAAAAAAAAAAAAAAAAAAEAAABQAAAAAAAAAAAA4D8AAAAAAADgPwAAAAAAAOA/AAAAAAAA4D8AAAAAAADgPwAAAAAAAOA/AAAAAAAA4D8AAAAAAADgPwAAAAAAAOA/AAAAAAAA4D8CAAAAjAAAAAAAAAAAAAAAu+DjDP///wgAAAAAAAAAAAAAAAAAAAAAAAAAAAAAAAAAAAAAZAAAAAEAAABAAAAAAAAAAAAAAAAAAAAAAAAAAAAAAAAAAAAAAAAAAAAAAAAAAAAAAAAAAAAAAAAAAAAAAAAAAAAAAAAAAAAAAAAAAAAAAAAAAAAAAAAAAAAAAAAAAAAAFAAAADwAAAAAAAAAAAAAAAAAAAkUAAAAAQAAABQAAAAUAAAAFAAAAAEAAAAAAAAAZAAAAGQAAAAAAAAAZAAAAGQAAAAVAAAAYAAAAAAAAAAAAAAADwAAACADAAAAAAAAAAAAAAEAAACgMgAAVgcAAKr4//8BAAAAf39/AAEAAABkAAAAAAAAABQAAABAHwAAAAAAACYAAAAAAAAAwOD//wAAAAAmAAAAZAAAABYAAABMAAAAAAAAAAAAAAAEAAAAAAAAAAEAAACAgIAKAAAAACgAAAAoAAAAZAAAAGQAAAAAAAAAzMzMAAAAAABQAAAAUAAAAGQAAABkAAAAAAAAABcAAAAUAAAAAAAAANwIAAD/fwAA/38AAAAAAAAJAAAABAAAAAAAAAAMAAAAEAAAAAAAAAAAAAAAAAAAAAAAAAAeAAAAaAAAAAAAAAAAAAAAAAAAAAAAAAAAAAAAECcAABAnAAAAAAAAAAAAAAAAAAAAAAAAAAAAAAAAAAAAAAAAAAAAABQAAAAAAAAAwMD/AAAAAABkAAAAMgAAAAAAAABkAAAAAAAAAH9/fwAKAAAAHwAAAFQAAAC74OMF////AQAAAAAAAAAAAAAAAAAAAAAAAAAAAAAAAAAAAAAAAAAAAAAAAn9/fwCAgIADzMzMAMDA/wB/f38AAAAAAAAAAAAAAAAAAAAAAAAAAAAhAAAAGAAAABQAAADIHwAAbwsAABY0AADfDQAAECAAACYAAAAIAAAA//////////8="/>
               </a:ext>
             </a:extLst>
           </p:cNvSpPr>
@@ -16698,7 +16712,7 @@
           <p:cNvSpPr>
             <a:extLst>
               <a:ext uri="smNativeData">
-                <pr:smNativeData xmlns:pr="smNativeData" val="SMDATA_13_BbpsXRMAAAAlAAAAZAAAAA8BAAAAkAAAAEgAAACQAAAASAAAAAAAAAAAAAAAAAAAAAEAAABQAAAAAAAAAAAA4D8AAAAAAADgPwAAAAAAAOA/AAAAAAAA4D8AAAAAAADgPwAAAAAAAOA/AAAAAAAA4D8AAAAAAADgPwAAAAAAAOA/AAAAAAAA4D8CAAAAjAAAAAEAAAAAAAAAHh4eAP///wgAAAAAAAAAAAAAAAAAAAAAAAAAAAAAAAAAAAAAZAAAAAEAAABAAAAAAAAAAAAAAAAAAAAAAAAAAAAAAAAAAAAAAAAAAAAAAAAAAAAAAAAAAAAAAAAAAAAAAAAAAAAAAAAAAAAAAAAAAAAAAAAAAAAAAAAAAAAAAAAAAAAAFAAAADwAAAAAAAAAAAAAAAAAAAkAAAAAAQAAAAAAAAAAAAAAAAAAAAAAAAAAAAAAZAAAAGQAAAAAAAAAZAAAAGQAAAAVAAAAYAAAAAAAAAAAAAAADwAAACADAAAAAAAAAAAAAAEAAACgMgAAAAAAAAAAAAABAAAAf39/AAEAAABkAAAAAAAAABQAAABAHwAAAAAAACYAAAAAAAAAwOD//wAAAAAmAAAAZAAAABYAAABMAAAAAAAAAAAAAAAEAAAAAAAAAAEAAACAgIAKAAAAACgAAAAoAAAAZAAAAGQAAAAAAAAAzMzMAAAAAABQAAAAUAAAAGQAAABkAAAAAAAAABcAAAAUAAAAAAAAAAAAAAD/fwAA/38AAAAAAAAJAAAABAAAAAAAAAAMAAAAEAAAAAAAAAAAAAAAAAAAAAAAAAAeAAAAaAAAAAAAAAAAAAAAAAAAAAAAAAAAAAAAECcAABAnAAAAAAAAAAAAAAAAAAAAAAAAAAAAAAAAAAAAAAAAAAAAABQAAAAAAAAAwMD/AAAAAABkAAAAMgAAAAAAAABkAAAAAAAAAH9/fwAKAAAAHwAAAFQAAAAeHh4A////AQAAAAAAAAAAAAAAAAAAAAAAAAAAAAAAAAAAAAAAAAAAAAAAAn9/fwCAgIADzMzMAMDA/wB/f38AAAAAAAAAAAAAAAAAAAAAAAAAAAAhAAAAGAAAABQAAAAAAAAAZQcAAEA4AAC4CAAAEAAAACYAAAAIAAAA//////////8="/>
+                <pr:smNativeData xmlns:pr="smNativeData" val="SMDATA_13_IrKAXRMAAAAlAAAAZAAAAA8BAAAAkAAAAEgAAACQAAAASAAAAAAAAAAAAAAAAAAAAAEAAABQAAAAAAAAAAAA4D8AAAAAAADgPwAAAAAAAOA/AAAAAAAA4D8AAAAAAADgPwAAAAAAAOA/AAAAAAAA4D8AAAAAAADgPwAAAAAAAOA/AAAAAAAA4D8CAAAAjAAAAAEAAAAAAAAAHh4eAP///wgAAAAAAAAAAAAAAAAAAAAAAAAAAAAAAAAAAAAAZAAAAAEAAABAAAAAAAAAAAAAAAAAAAAAAAAAAAAAAAAAAAAAAAAAAAAAAAAAAAAAAAAAAAAAAAAAAAAAAAAAAAAAAAAAAAAAAAAAAAAAAAAAAAAAAAAAAAAAAAAAAAAAFAAAADwAAAAAAAAAAAAAAAAAAAkAAAAAAQAAAAAAAAAAAAAAAAAAAAAAAAAAAAAAZAAAAGQAAAAAAAAAZAAAAGQAAAAVAAAAYAAAAAAAAAAAAAAADwAAACADAAAAAAAAAAAAAAEAAACgMgAAAAAAAAAAAAABAAAAf39/AAEAAABkAAAAAAAAABQAAABAHwAAAAAAACYAAAAAAAAAwOD//wAAAAAmAAAAZAAAABYAAABMAAAAAAAAAAAAAAAEAAAAAAAAAAEAAACAgIAKAAAAACgAAAAoAAAAZAAAAGQAAAAAAAAAzMzMAAAAAABQAAAAUAAAAGQAAABkAAAAAAAAABcAAAAUAAAAAAAAAAAAAAD/fwAA/38AAAAAAAAJAAAABAAAAAAAAAAMAAAAEAAAAAAAAAAAAAAAAAAAAAAAAAAeAAAAaAAAAAAAAAAAAAAAAAAAAAAAAAAAAAAAECcAABAnAAAAAAAAAAAAAAAAAAAAAAAAAAAAAAAAAAAAAAAAAAAAABQAAAAAAAAAwMD/AAAAAABkAAAAMgAAAAAAAABkAAAAAAAAAH9/fwAKAAAAHwAAAFQAAAAeHh4A////AQAAAAAAAAAAAAAAAAAAAAAAAAAAAAAAAAAAAAAAAAAAAAAAAn9/fwCAgIADzMzMAMDA/wB/f38AAAAAAAAAAAAAAAAAAAAAAAAAAAAhAAAAGAAAABQAAAAAAAAAZQcAAEA4AAC4CAAAEAAAACYAAAAIAAAA//////////8="/>
               </a:ext>
             </a:extLst>
           </p:cNvSpPr>
@@ -16767,7 +16781,7 @@
           <p:cNvSpPr>
             <a:extLst>
               <a:ext uri="smNativeData">
-                <pr:smNativeData xmlns:pr="smNativeData" val="SMDATA_13_BbpsXRMAAAAlAAAAZAAAAA8BAAAAkAAAAEgAAACQAAAASAAAAAAAAAAAAAAAAAAAAAEAAABQAAAAAAAAAAAA4D8AAAAAAADgPwAAAAAAAOA/AAAAAAAA4D8AAAAAAADgPwAAAAAAAOA/AAAAAAAA4D8AAAAAAADgPwAAAAAAAOA/AAAAAAAA4D8CAAAAjAAAAAEAAAAAAAAA0+qqAP///wgAAAAAAAAAAAAAAAAAAAAAAAAAAAAAAAAAAAAAZAAAAAEAAABAAAAAAAAAAAAAAAAAAAAAAAAAAAAAAAAAAAAAAAAAAAAAAAAAAAAAAAAAAAAAAAAAAAAAAAAAAAAAAAAAAAAAAAAAAAAAAAAAAAAAAAAAAAAAAAAAAAAAFAAAADwAAAAAAAAAAAAAAAAAAAkAAAAAAQAAAAAAAAAAAAAAAAAAAAAAAAAAAAAAZAAAAGQAAAAAAAAAZAAAAGQAAAAVAAAAYAAAAAAAAAAAAAAADwAAACADAAAAAAAAAAAAAAEAAACgMgAAAAAAAAAAAAABAAAAf39/AAEAAABkAAAAAAAAABQAAABAHwAAAAAAACYAAAAAAAAAwOD//wAAAAAmAAAAZAAAABYAAABMAAAAAAAAAAAAAAAEAAAAAAAAAAEAAACAgIAKAAAAACgAAAAoAAAAZAAAAGQAAAAAAAAAzMzMAAAAAABQAAAAUAAAAGQAAABkAAAAAAAAABcAAAAUAAAAAAAAAAAAAAD/fwAA/38AAAAAAAAJAAAABAAAAAAAAAAMAAAAEAAAAAAAAAAAAAAAAAAAAAAAAAAeAAAAaAAAAAAAAAAAAAAAAAAAAAAAAAAAAAAAECcAABAnAAAAAAAAAAAAAAAAAAAAAAAAAAAAAAAAAAAAAAAAAAAAABQAAAAAAAAAwMD/AAAAAABkAAAAMgAAAAAAAABkAAAAAAAAAH9/fwAKAAAAHwAAAFQAAADT6qoA////AQAAAAAAAAAAAAAAAAAAAAAAAAAAAAAAAAAAAAAAAAAAAAAAAn9/fwCAgIADzMzMAMDA/wB/f38AAAAAAAAAAAAAAAAAAAAAAAAAAAAhAAAAGAAAABQAAAAAAAAA9////0A4AACJBwAAEAAAACYAAAAIAAAA//////////8="/>
+                <pr:smNativeData xmlns:pr="smNativeData" val="SMDATA_13_IrKAXRMAAAAlAAAAZAAAAA8BAAAAkAAAAEgAAACQAAAASAAAAAAAAAAAAAAAAAAAAAEAAABQAAAAAAAAAAAA4D8AAAAAAADgPwAAAAAAAOA/AAAAAAAA4D8AAAAAAADgPwAAAAAAAOA/AAAAAAAA4D8AAAAAAADgPwAAAAAAAOA/AAAAAAAA4D8CAAAAjAAAAAEAAAAAAAAA0+qqAP///wgAAAAAAAAAAAAAAAAAAAAAAAAAAAAAAAAAAAAAZAAAAAEAAABAAAAAAAAAAAAAAAAAAAAAAAAAAAAAAAAAAAAAAAAAAAAAAAAAAAAAAAAAAAAAAAAAAAAAAAAAAAAAAAAAAAAAAAAAAAAAAAAAAAAAAAAAAAAAAAAAAAAAFAAAADwAAAAAAAAAAAAAAAAAAAkAAAAAAQAAAAAAAAAAAAAAAAAAAAAAAAAAAAAAZAAAAGQAAAAAAAAAZAAAAGQAAAAVAAAAYAAAAAAAAAAAAAAADwAAACADAAAAAAAAAAAAAAEAAACgMgAAAAAAAAAAAAABAAAAf39/AAEAAABkAAAAAAAAABQAAABAHwAAAAAAACYAAAAAAAAAwOD//wAAAAAmAAAAZAAAABYAAABMAAAAAAAAAAAAAAAEAAAAAAAAAAEAAACAgIAKAAAAACgAAAAoAAAAZAAAAGQAAAAAAAAAzMzMAAAAAABQAAAAUAAAAGQAAABkAAAAAAAAABcAAAAUAAAAAAAAAAAAAAD/fwAA/38AAAAAAAAJAAAABAAAAAAAAAAMAAAAEAAAAAAAAAAAAAAAAAAAAAAAAAAeAAAAaAAAAAAAAAAAAAAAAAAAAAAAAAAAAAAAECcAABAnAAAAAAAAAAAAAAAAAAAAAAAAAAAAAAAAAAAAAAAAAAAAABQAAAAAAAAAwMD/AAAAAABkAAAAMgAAAAAAAABkAAAAAAAAAH9/fwAKAAAAHwAAAFQAAADT6qoA////AQAAAAAAAAAAAAAAAAAAAAAAAAAAAAAAAAAAAAAAAAAAAAAAAn9/fwCAgIADzMzMAMDA/wB/f38AAAAAAAAAAAAAAAAAAAAAAAAAAAAhAAAAGAAAABQAAAAAAAAA9////0A4AACJBwAAEAAAACYAAAAIAAAA//////////8="/>
               </a:ext>
             </a:extLst>
           </p:cNvSpPr>
@@ -16796,7 +16810,7 @@
           <p:cNvSpPr>
             <a:extLst>
               <a:ext uri="smNativeData">
-                <pr:smNativeData xmlns:pr="smNativeData" val="SMDATA_13_BbpsXRMAAAAlAAAAZAAAAA8BAAAAkAAAAEgAAACQAAAASAAAAAAAAAABAAAAAAAAAAEAAABQAAAAAAAAAAAA4D8AAAAAAADgPwAAAAAAAOA/AAAAAAAA4D8AAAAAAADgPwAAAAAAAOA/AAAAAAAA4D8AAAAAAADgPwAAAAAAAOA/AAAAAAAA4D8CAAAAjAAAAAAAAAAAAAAAu+DjDP///wgAAAAAAAAAAAAAAAAAAAAAAAAAAAAAAAAAAAAAZAAAAAEAAABAAAAAAAAAAAAAAAAAAAAAAAAAAAAAAAAAAAAAAAAAAAAAAAAAAAAAAAAAAAAAAAAAAAAAAAAAAAAAAAAAAAAAAAAAAAAAAAAAAAAAAAAAAAAAAAAAAAAAFAAAADwAAAAAAAAAAAAAAAAAAAkUAAAAAQAAABQAAAAUAAAAFAAAAAEAAAAAAAAAZAAAAGQAAAAAAAAAZAAAAGQAAAAVAAAAYAAAAAAAAAAAAAAADwAAACADAAAAAAAAAAAAAAEAAACgMgAAVgcAAKr4//8BAAAAf39/AAEAAABkAAAAAAAAABQAAABAHwAAAAAAACYAAAAAAAAAwOD//wAAAAAmAAAAZAAAABYAAABMAAAAAAAAAAAAAAAEAAAAAAAAAAEAAACAgIAKAAAAACgAAAAoAAAAZAAAAGQAAAAAAAAAzMzMAAAAAABQAAAAUAAAAGQAAABkAAAAAAAAABcAAAAUAAAAAAAAAAAAAAD/fwAA/38AAAAAAAAJAAAABAAAAAAAAAAMAAAAEAAAAAAAAAAAAAAAAAAAAAAAAAAeAAAAaAAAAAAAAAAAAAAAAAAAAAAAAAAAAAAAECcAABAnAAAAAAAAAAAAAAAAAAAAAAAAAAAAAAAAAAAAAAAAAAAAABQAAAAAAAAAwMD/AAAAAABkAAAAMgAAAAAAAABkAAAAAAAAAH9/fwAKAAAAHwAAAFQAAAC74OMF////AQAAAAAAAAAAAAAAAAAAAAAAAAAAAAAAAAAAAAAAAAAAAAAAAn9/fwCAgIADzMzMAMDA/wB/f38AAAAAAAAAAAAAAAAAAAAAAAAAAAAhAAAAGAAAABQAAABqBAAAiAMAABY0AAAoBwAAEAAAACYAAAAIAAAA//////////8="/>
+                <pr:smNativeData xmlns:pr="smNativeData" val="SMDATA_13_IrKAXRMAAAAlAAAAZAAAAA8BAAAAkAAAAEgAAACQAAAASAAAAAAAAAABAAAAAAAAAAEAAABQAAAAAAAAAAAA4D8AAAAAAADgPwAAAAAAAOA/AAAAAAAA4D8AAAAAAADgPwAAAAAAAOA/AAAAAAAA4D8AAAAAAADgPwAAAAAAAOA/AAAAAAAA4D8CAAAAjAAAAAAAAAAAAAAAu+DjDP///wgAAAAAAAAAAAAAAAAAAAAAAAAAAAAAAAAAAAAAZAAAAAEAAABAAAAAAAAAAAAAAAAAAAAAAAAAAAAAAAAAAAAAAAAAAAAAAAAAAAAAAAAAAAAAAAAAAAAAAAAAAAAAAAAAAAAAAAAAAAAAAAAAAAAAAAAAAAAAAAAAAAAAFAAAADwAAAAAAAAAAAAAAAAAAAkUAAAAAQAAABQAAAAUAAAAFAAAAAEAAAAAAAAAZAAAAGQAAAAAAAAAZAAAAGQAAAAVAAAAYAAAAAAAAAAAAAAADwAAACADAAAAAAAAAAAAAAEAAACgMgAAVgcAAKr4//8BAAAAf39/AAEAAABkAAAAAAAAABQAAABAHwAAAAAAACYAAAAAAAAAwOD//wAAAAAmAAAAZAAAABYAAABMAAAAAAAAAAAAAAAEAAAAAAAAAAEAAACAgIAKAAAAACgAAAAoAAAAZAAAAGQAAAAAAAAAzMzMAAAAAABQAAAAUAAAAGQAAABkAAAAAAAAABcAAAAUAAAAAAAAAAAAAAD/fwAA/38AAAAAAAAJAAAABAAAAAAAAAAMAAAAEAAAAAAAAAAAAAAAAAAAAAAAAAAeAAAAaAAAAAAAAAAAAAAAAAAAAAAAAAAAAAAAECcAABAnAAAAAAAAAAAAAAAAAAAAAAAAAAAAAAAAAAAAAAAAAAAAABQAAAAAAAAAwMD/AAAAAABkAAAAMgAAAAAAAABkAAAAAAAAAH9/fwAKAAAAHwAAAFQAAAC74OMF////AQAAAAAAAAAAAAAAAAAAAAAAAAAAAAAAAAAAAAAAAAAAAAAAAn9/fwCAgIADzMzMAMDA/wB/f38AAAAAAAAAAAAAAAAAAAAAAAAAAAAhAAAAGAAAABQAAABqBAAAiAMAABY0AAAoBwAAEAAAACYAAAAIAAAA//////////8="/>
               </a:ext>
             </a:extLst>
           </p:cNvSpPr>
@@ -16842,7 +16856,7 @@
           <p:cNvSpPr txBox="1">
             <a:extLst>
               <a:ext uri="smNativeData">
-                <pr:smNativeData xmlns:pr="smNativeData" val="SMDATA_13_BbpsXRMAAAAlAAAAEgAAAE8BAAAAkAAAAEgAAACQAAAASAAAAAAAAAAAAAAAAAAAAAEAAABQAAAAAAAAAAAA4D8AAAAAAADgPwAAAAAAAOA/AAAAAAAA4D8AAAAAAADgPwAAAAAAAOA/AAAAAAAA4D8AAAAAAADgPwAAAAAAAOA/AAAAAAAA4D8CAAAAjAAAAAAAAAAAAAAAu+DjDP///wgAAAAAAAAAAAAAAAAAAAAAAAAAAAAAAAAAAAAAZAAAAAEAAABAAAAAAAAAAAAAAAAAAAAAAAAAAAAAAAAAAAAAAAAAAAAAAAAAAAAAAAAAAAAAAAAAAAAAAAAAAAAAAAAAAAAAAAAAAAAAAAAAAAAAAAAAAAAAAAAAAAAAFAAAADwAAAAAAAAAAAAAAAAAAAkUAAAAAQAAABQAAAAUAAAAFAAAAAEAAAAAAAAAZAAAAGQAAAAAAAAAZAAAAGQAAAAVAAAAYAAAAAAAAAAAAAAADwAAACADAAAAAAAAAAAAAAEAAACgMgAAVgcAAKr4//8BAAAAf39/AAEAAABkAAAAAAAAABQAAABAHwAAAAAAACYAAAAAAAAAwOD//wAAAAAmAAAAZAAAABYAAABMAAAAAAAAAAAAAAAEAAAAAAAAAAEAAACAgIAKAAAAACgAAAAoAAAAZAAAAGQAAAAAAAAAzMzMAAAAAABQAAAAUAAAAGQAAABkAAAAAAAAABcAAAAUAAAAAAAAANwIAAD/fwAA/38AAAAAAAAJAAAABAAAAAAAAAAMAAAAEAAAAAAAAAAAAAAAAAAAAAAAAAAeAAAAaAAAAAAAAAAAAAAAAAAAAAAAAAAAAAAAECcAABAnAAAAAAAAAAAAAAAAAAAAAAAAAAAAAAAAAAAAAAAAAAAAABQAAAAAAAAAwMD/AAAAAABkAAAAMgAAAAAAAABkAAAAAAAAAH9/fwAKAAAAHwAAAFQAAAC74OMF////AQAAAAAAAAAAAAAAAAAAAAAAAAAAAAAAAAAAAAAAAAAAAAAAAn9/fwCAgIADzMzMAMDA/wB/f38AAAAAAAAAAAAAAAAAAAAAAAAAAAAhAAAAGAAAABQAAABqBAAA5wcAABY0AAAnCgAAECAAACYAAAAIAAAA//////////8="/>
+                <pr:smNativeData xmlns:pr="smNativeData" val="SMDATA_13_IrKAXRMAAAAlAAAAEgAAAE8BAAAAkAAAAEgAAACQAAAASAAAAAAAAAAAAAAAAAAAAAEAAABQAAAAAAAAAAAA4D8AAAAAAADgPwAAAAAAAOA/AAAAAAAA4D8AAAAAAADgPwAAAAAAAOA/AAAAAAAA4D8AAAAAAADgPwAAAAAAAOA/AAAAAAAA4D8CAAAAjAAAAAAAAAAAAAAAu+DjDP///wgAAAAAAAAAAAAAAAAAAAAAAAAAAAAAAAAAAAAAZAAAAAEAAABAAAAAAAAAAAAAAAAAAAAAAAAAAAAAAAAAAAAAAAAAAAAAAAAAAAAAAAAAAAAAAAAAAAAAAAAAAAAAAAAAAAAAAAAAAAAAAAAAAAAAAAAAAAAAAAAAAAAAFAAAADwAAAAAAAAAAAAAAAAAAAkUAAAAAQAAABQAAAAUAAAAFAAAAAEAAAAAAAAAZAAAAGQAAAAAAAAAZAAAAGQAAAAVAAAAYAAAAAAAAAAAAAAADwAAACADAAAAAAAAAAAAAAEAAACgMgAAVgcAAKr4//8BAAAAf39/AAEAAABkAAAAAAAAABQAAABAHwAAAAAAACYAAAAAAAAAwOD//wAAAAAmAAAAZAAAABYAAABMAAAAAAAAAAAAAAAEAAAAAAAAAAEAAACAgIAKAAAAACgAAAAoAAAAZAAAAGQAAAAAAAAAzMzMAAAAAABQAAAAUAAAAGQAAABkAAAAAAAAABcAAAAUAAAAAAAAANwIAAD/fwAA/38AAAAAAAAJAAAABAAAAAAAAAAMAAAAEAAAAAAAAAAAAAAAAAAAAAAAAAAeAAAAaAAAAAAAAAAAAAAAAAAAAAAAAAAAAAAAECcAABAnAAAAAAAAAAAAAAAAAAAAAAAAAAAAAAAAAAAAAAAAAAAAABQAAAAAAAAAwMD/AAAAAABkAAAAMgAAAAAAAABkAAAAAAAAAH9/fwAKAAAAHwAAAFQAAAC74OMF////AQAAAAAAAAAAAAAAAAAAAAAAAAAAAAAAAAAAAAAAAAAAAAAAAn9/fwCAgIADzMzMAMDA/wB/f38AAAAAAAAAAAAAAAAAAAAAAAAAAAAhAAAAGAAAABQAAABqBAAA5wcAABY0AAAnCgAAECAAACYAAAAIAAAA//////////8="/>
               </a:ext>
             </a:extLst>
           </p:cNvSpPr>
@@ -16885,7 +16899,7 @@
           <p:cNvSpPr txBox="1">
             <a:extLst>
               <a:ext uri="smNativeData">
-                <pr:smNativeData xmlns:pr="smNativeData" val="SMDATA_13_BbpsXRMAAAAlAAAAEgAAAE8BAAAAkAAAAEgAAACQAAAASAAAAAAAAAAAAAAAAAAAAAEAAABQAAAAAAAAAAAA4D8AAAAAAADgPwAAAAAAAOA/AAAAAAAA4D8AAAAAAADgPwAAAAAAAOA/AAAAAAAA4D8AAAAAAADgPwAAAAAAAOA/AAAAAAAA4D8CAAAAjAAAAAAAAAAAAAAAu+DjDP///wgAAAAAAAAAAAAAAAAAAAAAAAAAAAAAAAAAAAAAZAAAAAEAAABAAAAAAAAAAAAAAAAAAAAAAAAAAAAAAAAAAAAAAAAAAAAAAAAAAAAAAAAAAAAAAAAAAAAAAAAAAAAAAAAAAAAAAAAAAAAAAAAAAAAAAAAAAAAAAAAAAAAAFAAAADwAAAAAAAAAAAAAAAAAAAkUAAAAAQAAABQAAAAUAAAAFAAAAAEAAAAAAAAAZAAAAGQAAAAAAAAAZAAAAGQAAAAVAAAAYAAAAAAAAAAAAAAADwAAACADAAAAAAAAAAAAAAEAAACgMgAAVgcAAKr4//8BAAAAf39/AAEAAABkAAAAAAAAABQAAABAHwAAAAAAACYAAAAAAAAAwOD//wAAAAAmAAAAZAAAABYAAABMAAAAAAAAAAAAAAAEAAAAAAAAAAEAAACAgIAKAAAAACgAAAAoAAAAZAAAAGQAAAAAAAAAzMzMAAAAAABQAAAAUAAAAGQAAABkAAAAAAAAABcAAAAUAAAAAAAAANwIAAD/fwAA/38AAAAAAAAJAAAABAAAAAAAAAAMAAAAEAAAAAAAAAAAAAAAAAAAAAAAAAAeAAAAaAAAAAAAAAAAAAAAAAAAAAAAAAAAAAAAECcAABAnAAAAAAAAAAAAAAAAAAAAAAAAAAAAAAAAAAAAAAAAAAAAABQAAAAAAAAAwMD/AAAAAABkAAAAMgAAAAAAAABkAAAAAAAAAH9/fwAKAAAAHwAAAFQAAAC74OMF////AQAAAAAAAAAAAAAAAAAAAAAAAAAAAAAAAAAAAAAAAAAAAAAAAn9/fwCAgIADzMzMAMDA/wB/f38AAAAAAAAAAAAAAAAAAAAAAAAAAAAhAAAAGAAAABQAAABqBAAAYBkAABY0AACgGwAAECAAACYAAAAIAAAA//////////8="/>
+                <pr:smNativeData xmlns:pr="smNativeData" val="SMDATA_13_IrKAXRMAAAAlAAAAEgAAAE8BAAAAkAAAAEgAAACQAAAASAAAAAAAAAAAAAAAAAAAAAEAAABQAAAAAAAAAAAA4D8AAAAAAADgPwAAAAAAAOA/AAAAAAAA4D8AAAAAAADgPwAAAAAAAOA/AAAAAAAA4D8AAAAAAADgPwAAAAAAAOA/AAAAAAAA4D8CAAAAjAAAAAAAAAAAAAAAu+DjDP///wgAAAAAAAAAAAAAAAAAAAAAAAAAAAAAAAAAAAAAZAAAAAEAAABAAAAAAAAAAAAAAAAAAAAAAAAAAAAAAAAAAAAAAAAAAAAAAAAAAAAAAAAAAAAAAAAAAAAAAAAAAAAAAAAAAAAAAAAAAAAAAAAAAAAAAAAAAAAAAAAAAAAAFAAAADwAAAAAAAAAAAAAAAAAAAkUAAAAAQAAABQAAAAUAAAAFAAAAAEAAAAAAAAAZAAAAGQAAAAAAAAAZAAAAGQAAAAVAAAAYAAAAAAAAAAAAAAADwAAACADAAAAAAAAAAAAAAEAAACgMgAAVgcAAKr4//8BAAAAf39/AAEAAABkAAAAAAAAABQAAABAHwAAAAAAACYAAAAAAAAAwOD//wAAAAAmAAAAZAAAABYAAABMAAAAAAAAAAAAAAAEAAAAAAAAAAEAAACAgIAKAAAAACgAAAAoAAAAZAAAAGQAAAAAAAAAzMzMAAAAAABQAAAAUAAAAGQAAABkAAAAAAAAABcAAAAUAAAAAAAAANwIAAD/fwAA/38AAAAAAAAJAAAABAAAAAAAAAAMAAAAEAAAAAAAAAAAAAAAAAAAAAAAAAAeAAAAaAAAAAAAAAAAAAAAAAAAAAAAAAAAAAAAECcAABAnAAAAAAAAAAAAAAAAAAAAAAAAAAAAAAAAAAAAAAAAAAAAABQAAAAAAAAAwMD/AAAAAABkAAAAMgAAAAAAAABkAAAAAAAAAH9/fwAKAAAAHwAAAFQAAAC74OMF////AQAAAAAAAAAAAAAAAAAAAAAAAAAAAAAAAAAAAAAAAAAAAAAAAn9/fwCAgIADzMzMAMDA/wB/f38AAAAAAAAAAAAAAAAAAAAAAAAAAAAhAAAAGAAAABQAAABqBAAAYBkAABY0AACgGwAAECAAACYAAAAIAAAA//////////8="/>
               </a:ext>
             </a:extLst>
           </p:cNvSpPr>
@@ -16931,7 +16945,7 @@
           <p:cNvSpPr txBox="1">
             <a:extLst>
               <a:ext uri="smNativeData">
-                <pr:smNativeData xmlns:pr="smNativeData" val="SMDATA_13_BbpsXRMAAAAlAAAAEgAAAE8BAAAAkAAAAEgAAACQAAAASAAAAAAAAAAAAAAAAAAAAAEAAABQAAAAAAAAAAAA4D8AAAAAAADgPwAAAAAAAOA/AAAAAAAA4D8AAAAAAADgPwAAAAAAAOA/AAAAAAAA4D8AAAAAAADgPwAAAAAAAOA/AAAAAAAA4D8CAAAAjAAAAAAAAAAAAAAAu+DjDP///wgAAAAAAAAAAAAAAAAAAAAAAAAAAAAAAAAAAAAAZAAAAAEAAABAAAAAAAAAAAAAAAAAAAAAAAAAAAAAAAAAAAAAAAAAAAAAAAAAAAAAAAAAAAAAAAAAAAAAAAAAAAAAAAAAAAAAAAAAAAAAAAAAAAAAAAAAAAAAAAAAAAAAFAAAADwAAAAAAAAAAAAAAAAAAAkUAAAAAQAAABQAAAAUAAAAFAAAAAEAAAAAAAAAZAAAAGQAAAAAAAAAZAAAAGQAAAAVAAAAYAAAAAAAAAAAAAAADwAAACADAAAAAAAAAAAAAAEAAACgMgAAVgcAAKr4//8BAAAAf39/AAEAAABkAAAAAAAAABQAAABAHwAAAAAAACYAAAAAAAAAwOD//wAAAAAmAAAAZAAAABYAAABMAAAAAAAAAAAAAAAEAAAAAAAAAAEAAACAgIAKAAAAACgAAAAoAAAAZAAAAGQAAAAAAAAAzMzMAAAAAABQAAAAUAAAAGQAAABkAAAAAAAAABcAAAAUAAAAAAAAANwIAAD/fwAA/38AAAAAAAAJAAAABAAAAAAAAAAMAAAAEAAAAAAAAAAAAAAAAAAAAAAAAAAeAAAAaAAAAAAAAAAAAAAAAAAAAAAAAAAAAAAAECcAABAnAAAAAAAAAAAAAAAAAAAAAAAAAAAAAAAAAAAAAAAAAAAAABQAAAAAAAAAwMD/AAAAAABkAAAAMgAAAAAAAABkAAAAAAAAAH9/fwAKAAAAHwAAAFQAAAC74OMF////AQAAAAAAAAAAAAAAAAAAAAAAAAAAAAAAAAAAAAAAAAAAAAAAAn9/fwCAgIADzMzMAMDA/wB/f38AAAAAAAAAAAAAAAAAAAAAAAAAAAAhAAAAGAAAABQAAABqBAAA+xsAABY0AAA7HgAAECAAACYAAAAIAAAA//////////8="/>
+                <pr:smNativeData xmlns:pr="smNativeData" val="SMDATA_13_IrKAXRMAAAAlAAAAEgAAAE8BAAAAkAAAAEgAAACQAAAASAAAAAAAAAAAAAAAAAAAAAEAAABQAAAAAAAAAAAA4D8AAAAAAADgPwAAAAAAAOA/AAAAAAAA4D8AAAAAAADgPwAAAAAAAOA/AAAAAAAA4D8AAAAAAADgPwAAAAAAAOA/AAAAAAAA4D8CAAAAjAAAAAAAAAAAAAAAu+DjDP///wgAAAAAAAAAAAAAAAAAAAAAAAAAAAAAAAAAAAAAZAAAAAEAAABAAAAAAAAAAAAAAAAAAAAAAAAAAAAAAAAAAAAAAAAAAAAAAAAAAAAAAAAAAAAAAAAAAAAAAAAAAAAAAAAAAAAAAAAAAAAAAAAAAAAAAAAAAAAAAAAAAAAAFAAAADwAAAAAAAAAAAAAAAAAAAkUAAAAAQAAABQAAAAUAAAAFAAAAAEAAAAAAAAAZAAAAGQAAAAAAAAAZAAAAGQAAAAVAAAAYAAAAAAAAAAAAAAADwAAACADAAAAAAAAAAAAAAEAAACgMgAAVgcAAKr4//8BAAAAf39/AAEAAABkAAAAAAAAABQAAABAHwAAAAAAACYAAAAAAAAAwOD//wAAAAAmAAAAZAAAABYAAABMAAAAAAAAAAAAAAAEAAAAAAAAAAEAAACAgIAKAAAAACgAAAAoAAAAZAAAAGQAAAAAAAAAzMzMAAAAAABQAAAAUAAAAGQAAABkAAAAAAAAABcAAAAUAAAAAAAAANwIAAD/fwAA/38AAAAAAAAJAAAABAAAAAAAAAAMAAAAEAAAAAAAAAAAAAAAAAAAAAAAAAAeAAAAaAAAAAAAAAAAAAAAAAAAAAAAAAAAAAAAECcAABAnAAAAAAAAAAAAAAAAAAAAAAAAAAAAAAAAAAAAAAAAAAAAABQAAAAAAAAAwMD/AAAAAABkAAAAMgAAAAAAAABkAAAAAAAAAH9/fwAKAAAAHwAAAFQAAAC74OMF////AQAAAAAAAAAAAAAAAAAAAAAAAAAAAAAAAAAAAAAAAAAAAAAAAn9/fwCAgIADzMzMAMDA/wB/f38AAAAAAAAAAAAAAAAAAAAAAAAAAAAhAAAAGAAAABQAAABqBAAA+xsAABY0AAA7HgAAECAAACYAAAAIAAAA//////////8="/>
               </a:ext>
             </a:extLst>
           </p:cNvSpPr>
@@ -16977,7 +16991,7 @@
           <p:cNvSpPr txBox="1">
             <a:extLst>
               <a:ext uri="smNativeData">
-                <pr:smNativeData xmlns:pr="smNativeData" val="SMDATA_13_BbpsXRMAAAAlAAAAEgAAAE8BAAAAkAAAAEgAAACQAAAASAAAAAAAAAAAAAAAAAAAAAEAAABQAAAAAAAAAAAA4D8AAAAAAADgPwAAAAAAAOA/AAAAAAAA4D8AAAAAAADgPwAAAAAAAOA/AAAAAAAA4D8AAAAAAADgPwAAAAAAAOA/AAAAAAAA4D8CAAAAjAAAAAAAAAAAAAAAu+DjDP///wgAAAAAAAAAAAAAAAAAAAAAAAAAAAAAAAAAAAAAZAAAAAEAAABAAAAAAAAAAAAAAAAAAAAAAAAAAAAAAAAAAAAAAAAAAAAAAAAAAAAAAAAAAAAAAAAAAAAAAAAAAAAAAAAAAAAAAAAAAAAAAAAAAAAAAAAAAAAAAAAAAAAAFAAAADwAAAAAAAAAAAAAAAAAAAkUAAAAAQAAABQAAAAUAAAAFAAAAAEAAAAAAAAAZAAAAGQAAAAAAAAAZAAAAGQAAAAVAAAAYAAAAAAAAAAAAAAADwAAACADAAAAAAAAAAAAAAEAAACgMgAAVgcAAKr4//8BAAAAf39/AAEAAABkAAAAAAAAABQAAABAHwAAAAAAACYAAAAAAAAAwOD//wAAAAAmAAAAZAAAABYAAABMAAAAAAAAAAAAAAAEAAAAAAAAAAEAAACAgIAKAAAAACgAAAAoAAAAZAAAAGQAAAAAAAAAzMzMAAAAAABQAAAAUAAAAGQAAABkAAAAAAAAABcAAAAUAAAAAAAAANwIAAD/fwAA/38AAAAAAAAJAAAABAAAAAAAAAAMAAAAEAAAAAAAAAAAAAAAAAAAAAAAAAAeAAAAaAAAAAAAAAAAAAAAAAAAAAAAAAAAAAAAECcAABAnAAAAAAAAAAAAAAAAAAAAAAAAAAAAAAAAAAAAAAAAAAAAABQAAAAAAAAAwMD/AAAAAABkAAAAMgAAAAAAAABkAAAAAAAAAH9/fwAKAAAAHwAAAFQAAAC74OMF////AQAAAAAAAAAAAAAAAAAAAAAAAAAAAAAAAAAAAAAAAAAAAAAAAn9/fwCAgIADzMzMAMDA/wB/f38AAAAAAAAAAAAAAAAAAAAAAAAAAAAhAAAAGAAAABQAAABqBAAA/SEAABY0AAA9JAAAECAAACYAAAAIAAAA//////////8="/>
+                <pr:smNativeData xmlns:pr="smNativeData" val="SMDATA_13_IrKAXRMAAAAlAAAAEgAAAE8BAAAAkAAAAEgAAACQAAAASAAAAAAAAAAAAAAAAAAAAAEAAABQAAAAAAAAAAAA4D8AAAAAAADgPwAAAAAAAOA/AAAAAAAA4D8AAAAAAADgPwAAAAAAAOA/AAAAAAAA4D8AAAAAAADgPwAAAAAAAOA/AAAAAAAA4D8CAAAAjAAAAAAAAAAAAAAAu+DjDP///wgAAAAAAAAAAAAAAAAAAAAAAAAAAAAAAAAAAAAAZAAAAAEAAABAAAAAAAAAAAAAAAAAAAAAAAAAAAAAAAAAAAAAAAAAAAAAAAAAAAAAAAAAAAAAAAAAAAAAAAAAAAAAAAAAAAAAAAAAAAAAAAAAAAAAAAAAAAAAAAAAAAAAFAAAADwAAAAAAAAAAAAAAAAAAAkUAAAAAQAAABQAAAAUAAAAFAAAAAEAAAAAAAAAZAAAAGQAAAAAAAAAZAAAAGQAAAAVAAAAYAAAAAAAAAAAAAAADwAAACADAAAAAAAAAAAAAAEAAACgMgAAVgcAAKr4//8BAAAAf39/AAEAAABkAAAAAAAAABQAAABAHwAAAAAAACYAAAAAAAAAwOD//wAAAAAmAAAAZAAAABYAAABMAAAAAAAAAAAAAAAEAAAAAAAAAAEAAACAgIAKAAAAACgAAAAoAAAAZAAAAGQAAAAAAAAAzMzMAAAAAABQAAAAUAAAAGQAAABkAAAAAAAAABcAAAAUAAAAAAAAANwIAAD/fwAA/38AAAAAAAAJAAAABAAAAAAAAAAMAAAAEAAAAAAAAAAAAAAAAAAAAAAAAAAeAAAAaAAAAAAAAAAAAAAAAAAAAAAAAAAAAAAAECcAABAnAAAAAAAAAAAAAAAAAAAAAAAAAAAAAAAAAAAAAAAAAAAAABQAAAAAAAAAwMD/AAAAAABkAAAAMgAAAAAAAABkAAAAAAAAAH9/fwAKAAAAHwAAAFQAAAC74OMF////AQAAAAAAAAAAAAAAAAAAAAAAAAAAAAAAAAAAAAAAAAAAAAAAAn9/fwCAgIADzMzMAMDA/wB/f38AAAAAAAAAAAAAAAAAAAAAAAAAAAAhAAAAGAAAABQAAABqBAAA/SEAABY0AAA9JAAAECAAACYAAAAIAAAA//////////8="/>
               </a:ext>
             </a:extLst>
           </p:cNvSpPr>
@@ -17023,7 +17037,7 @@
           <p:cNvSpPr txBox="1">
             <a:extLst>
               <a:ext uri="smNativeData">
-                <pr:smNativeData xmlns:pr="smNativeData" val="SMDATA_13_BbpsXRMAAAAlAAAAEgAAAE8BAAAAkAAAAEgAAACQAAAASAAAAAAAAAAAAAAAAAAAAAEAAABQAAAAAAAAAAAA4D8AAAAAAADgPwAAAAAAAOA/AAAAAAAA4D8AAAAAAADgPwAAAAAAAOA/AAAAAAAA4D8AAAAAAADgPwAAAAAAAOA/AAAAAAAA4D8CAAAAjAAAAAAAAAAAAAAAu+DjDP///wgAAAAAAAAAAAAAAAAAAAAAAAAAAAAAAAAAAAAAZAAAAAEAAABAAAAAAAAAAAAAAAAAAAAAAAAAAAAAAAAAAAAAAAAAAAAAAAAAAAAAAAAAAAAAAAAAAAAAAAAAAAAAAAAAAAAAAAAAAAAAAAAAAAAAAAAAAAAAAAAAAAAAFAAAADwAAAAAAAAAAAAAAAAAAAkUAAAAAQAAABQAAAAUAAAAFAAAAAEAAAAAAAAAZAAAAGQAAAAAAAAAZAAAAGQAAAAVAAAAYAAAAAAAAAAAAAAADwAAACADAAAAAAAAAAAAAAEAAACgMgAAVgcAAKr4//8BAAAAf39/AAEAAABkAAAAAAAAABQAAABAHwAAAAAAACYAAAAAAAAAwOD//wAAAAAmAAAAZAAAABYAAABMAAAAAAAAAAAAAAAEAAAAAAAAAAEAAACAgIAKAAAAACgAAAAoAAAAZAAAAGQAAAAAAAAAzMzMAAAAAABQAAAAUAAAAGQAAABkAAAAAAAAABcAAAAUAAAAAAAAANwIAAD/fwAA/38AAAAAAAAJAAAABAAAAPCptwMMAAAAEAAAAAAAAAAAAAAAAAAAAAAAAAAeAAAAaAAAAAAAAAAAAAAAAAAAAAAAAAAAAAAAECcAABAnAAAAAAAAAAAAAAAAAAAAAAAAAAAAAAAAAAAAAAAAAAAAABQAAAAAAAAAwMD/AAAAAABkAAAAMgAAAAAAAABkAAAAAAAAAH9/fwAKAAAAHwAAAFQAAAC74OMF////AQAAAAAAAAAAAAAAAAAAAAAAAAAAAAAAAAAAAAAAAAAAAAAAAn9/fwCAgIADzMzMAMDA/wB/f38AAAAAAAAAAAAAAAAAAAAAAAAAAAAhAAAAGAAAABQAAABqBAAAcSQAABY0AACxJgAAECAAACYAAAAIAAAA//////////8="/>
+                <pr:smNativeData xmlns:pr="smNativeData" val="SMDATA_13_IrKAXRMAAAAlAAAAEgAAAE8BAAAAkAAAAEgAAACQAAAASAAAAAAAAAAAAAAAAAAAAAEAAABQAAAAAAAAAAAA4D8AAAAAAADgPwAAAAAAAOA/AAAAAAAA4D8AAAAAAADgPwAAAAAAAOA/AAAAAAAA4D8AAAAAAADgPwAAAAAAAOA/AAAAAAAA4D8CAAAAjAAAAAAAAAAAAAAAu+DjDP///wgAAAAAAAAAAAAAAAAAAAAAAAAAAAAAAAAAAAAAZAAAAAEAAABAAAAAAAAAAAAAAAAAAAAAAAAAAAAAAAAAAAAAAAAAAAAAAAAAAAAAAAAAAAAAAAAAAAAAAAAAAAAAAAAAAAAAAAAAAAAAAAAAAAAAAAAAAAAAAAAAAAAAFAAAADwAAAAAAAAAAAAAAAAAAAkUAAAAAQAAABQAAAAUAAAAFAAAAAEAAAAAAAAAZAAAAGQAAAAAAAAAZAAAAGQAAAAVAAAAYAAAAAAAAAAAAAAADwAAACADAAAAAAAAAAAAAAEAAACgMgAAVgcAAKr4//8BAAAAf39/AAEAAABkAAAAAAAAABQAAABAHwAAAAAAACYAAAAAAAAAwOD//wAAAAAmAAAAZAAAABYAAABMAAAAAAAAAAAAAAAEAAAAAAAAAAEAAACAgIAKAAAAACgAAAAoAAAAZAAAAGQAAAAAAAAAzMzMAAAAAABQAAAAUAAAAGQAAABkAAAAAAAAABcAAAAUAAAAAAAAANwIAAD/fwAA/38AAAAAAAAJAAAABAAAAPCptwMMAAAAEAAAAAAAAAAAAAAAAAAAAAAAAAAeAAAAaAAAAAAAAAAAAAAAAAAAAAAAAAAAAAAAECcAABAnAAAAAAAAAAAAAAAAAAAAAAAAAAAAAAAAAAAAAAAAAAAAABQAAAAAAAAAwMD/AAAAAABkAAAAMgAAAAAAAABkAAAAAAAAAH9/fwAKAAAAHwAAAFQAAAC74OMF////AQAAAAAAAAAAAAAAAAAAAAAAAAAAAAAAAAAAAAAAAAAAAAAAAn9/fwCAgIADzMzMAMDA/wB/f38AAAAAAAAAAAAAAAAAAAAAAAAAAAAhAAAAGAAAABQAAABqBAAAcSQAABY0AACxJgAAECAAACYAAAAIAAAA//////////8="/>
               </a:ext>
             </a:extLst>
           </p:cNvSpPr>
@@ -17069,7 +17083,7 @@
           <p:cNvSpPr>
             <a:extLst>
               <a:ext uri="smNativeData">
-                <pr:smNativeData xmlns:pr="smNativeData" val="SMDATA_13_BbpsXRMAAAAlAAAAZAAAAA8BAAAAkAAAAEgAAACQAAAASAAAAAAAAAAAAAAAAAAAAAEAAABQAAAAAAAAAAAA4D8AAAAAAADgPwAAAAAAAOA/AAAAAAAA4D8AAAAAAADgPwAAAAAAAOA/AAAAAAAA4D8AAAAAAADgPwAAAAAAAOA/AAAAAAAA4D8CAAAAjAAAAAEAAAAAAAAAHh4eAP///wgAAAAAAAAAAAAAAAAAAAAAAAAAAAAAAAAAAAAAZAAAAAEAAABAAAAAAAAAAAAAAAAAAAAAAAAAAAAAAAAAAAAAAAAAAAAAAAAAAAAAAAAAAAAAAAAAAAAAAAAAAAAAAAAAAAAAAAAAAAAAAAAAAAAAAAAAAAAAAAAAAAAAFAAAADwAAAAAAAAAAAAAAAAAAAkAAAAAAQAAAAAAAAAAAAAAAAAAAAAAAAAAAAAAZAAAAGQAAAAAAAAAZAAAAGQAAAAVAAAAYAAAAAAAAAAAAAAADwAAACADAAAAAAAAAAAAAAEAAACgMgAAAAAAAAAAAAABAAAAf39/AAEAAABkAAAAAAAAABQAAABAHwAAAAAAACYAAAAAAAAAwOD//wAAAAAmAAAAZAAAABYAAABMAAAAAAAAAAAAAAAEAAAAAAAAAAEAAACAgIAKAAAAACgAAAAoAAAAZAAAAGQAAAAAAAAAzMzMAAAAAABQAAAAUAAAAGQAAABkAAAAAAAAABcAAAAUAAAAAAAAAAAAAAD/fwAA/38AAAAAAAAJAAAABAAAADAYIQIMAAAAEAAAAAAAAAAAAAAAAAAAAAAAAAAeAAAAaAAAAAAAAAAAAAAAAAAAAAAAAAAAAAAAECcAABAnAAAAAAAAAAAAAAAAAAAAAAAAAAAAAAAAAAAAAAAAAAAAABQAAAAAAAAAwMD/AAAAAABkAAAAMgAAAAAAAABkAAAAAAAAAH9/fwAKAAAAHwAAAFQAAAAeHh4A////AQAAAAAAAAAAAAAAAAAAAAAAAAAAAAAAAAAAAAAAAAAAAAAAAn9/fwCAgIADzMzMAMDA/wB/f38AAAAAAAAAAAAAAAAAAAAAAAAAAAAhAAAAGAAAABQAAAAAAAAAZQcAAEA4AAC4CAAAEAAAACYAAAAIAAAA//////////8="/>
+                <pr:smNativeData xmlns:pr="smNativeData" val="SMDATA_13_IrKAXRMAAAAlAAAAZAAAAA8BAAAAkAAAAEgAAACQAAAASAAAAAAAAAAAAAAAAAAAAAEAAABQAAAAAAAAAAAA4D8AAAAAAADgPwAAAAAAAOA/AAAAAAAA4D8AAAAAAADgPwAAAAAAAOA/AAAAAAAA4D8AAAAAAADgPwAAAAAAAOA/AAAAAAAA4D8CAAAAjAAAAAEAAAAAAAAAHh4eAP///wgAAAAAAAAAAAAAAAAAAAAAAAAAAAAAAAAAAAAAZAAAAAEAAABAAAAAAAAAAAAAAAAAAAAAAAAAAAAAAAAAAAAAAAAAAAAAAAAAAAAAAAAAAAAAAAAAAAAAAAAAAAAAAAAAAAAAAAAAAAAAAAAAAAAAAAAAAAAAAAAAAAAAFAAAADwAAAAAAAAAAAAAAAAAAAkAAAAAAQAAAAAAAAAAAAAAAAAAAAAAAAAAAAAAZAAAAGQAAAAAAAAAZAAAAGQAAAAVAAAAYAAAAAAAAAAAAAAADwAAACADAAAAAAAAAAAAAAEAAACgMgAAAAAAAAAAAAABAAAAf39/AAEAAABkAAAAAAAAABQAAABAHwAAAAAAACYAAAAAAAAAwOD//wAAAAAmAAAAZAAAABYAAABMAAAAAAAAAAAAAAAEAAAAAAAAAAEAAACAgIAKAAAAACgAAAAoAAAAZAAAAGQAAAAAAAAAzMzMAAAAAABQAAAAUAAAAGQAAABkAAAAAAAAABcAAAAUAAAAAAAAAAAAAAD/fwAA/38AAAAAAAAJAAAABAAAADAYIQIMAAAAEAAAAAAAAAAAAAAAAAAAAAAAAAAeAAAAaAAAAAAAAAAAAAAAAAAAAAAAAAAAAAAAECcAABAnAAAAAAAAAAAAAAAAAAAAAAAAAAAAAAAAAAAAAAAAAAAAABQAAAAAAAAAwMD/AAAAAABkAAAAMgAAAAAAAABkAAAAAAAAAH9/fwAKAAAAHwAAAFQAAAAeHh4A////AQAAAAAAAAAAAAAAAAAAAAAAAAAAAAAAAAAAAAAAAAAAAAAAAn9/fwCAgIADzMzMAMDA/wB/f38AAAAAAAAAAAAAAAAAAAAAAAAAAAAhAAAAGAAAABQAAAAAAAAAZQcAAEA4AAC4CAAAEAAAACYAAAAIAAAA//////////8="/>
               </a:ext>
             </a:extLst>
           </p:cNvSpPr>
@@ -17138,7 +17152,7 @@
           <p:cNvSpPr>
             <a:extLst>
               <a:ext uri="smNativeData">
-                <pr:smNativeData xmlns:pr="smNativeData" val="SMDATA_13_BbpsXRMAAAAlAAAAZAAAAA8BAAAAkAAAAEgAAACQAAAASAAAAAAAAAABAAAAAAAAAAEAAABQAAAAAAAAAAAA4D8AAAAAAADgPwAAAAAAAOA/AAAAAAAA4D8AAAAAAADgPwAAAAAAAOA/AAAAAAAA4D8AAAAAAADgPwAAAAAAAOA/AAAAAAAA4D8CAAAAjAAAAAAAAAAAAAAAu+DjDP///wgAAAAAAAAAAAAAAAAAAAAAAAAAAAAAAAAAAAAAZAAAAAEAAABAAAAAAAAAAAAAAAAAAAAAAAAAAAAAAAAAAAAAAAAAAAAAAAAAAAAAAAAAAAAAAAAAAAAAAAAAAAAAAAAAAAAAAAAAAAAAAAAAAAAAAAAAAAAAAAAAAAAAFAAAADwAAAAAAAAAAAAAAAAAAAkUAAAAAQAAABQAAAAUAAAAFAAAAAEAAAAAAAAAZAAAAGQAAAAAAAAAZAAAAGQAAAAVAAAAYAAAAAAAAAAAAAAADwAAACADAAAAAAAAAAAAAAEAAACgMgAAVgcAAKr4//8BAAAAf39/AAEAAABkAAAAAAAAABQAAABAHwAAAAAAACYAAAAAAAAAwOD//wAAAAAmAAAAZAAAABYAAABMAAAAAAAAAAAAAAAEAAAAAAAAAAEAAACAgIAKAAAAACgAAAAoAAAAZAAAAGQAAAAAAAAAzMzMAAAAAABQAAAAUAAAAGQAAABkAAAAAAAAABcAAAAUAAAAAAAAAAAAAAD/fwAA/38AAAAAAAAJAAAABAAAAHBlPSIMAAAAEAAAAAAAAAAAAAAAAAAAAAAAAAAeAAAAaAAAAAAAAAAAAAAAAAAAAAAAAAAAAAAAECcAABAnAAAAAAAAAAAAAAAAAAAAAAAAAAAAAAAAAAAAAAAAAAAAABQAAAAAAAAAwMD/AAAAAABkAAAAMgAAAAAAAABkAAAAAAAAAH9/fwAKAAAAHwAAAFQAAAC74OMF////AQAAAAAAAAAAAAAAAAAAAAAAAAAAAAAAAAAAAAAAAAAAAAAAAn9/fwCAgIADzMzMAMDA/wB/f38AAAAAAAAAAAAAAAAAAAAAAAAAAAAhAAAAGAAAABQAAABqBAAAiAMAABY0AAAoBwAAEAAAACYAAAAIAAAA//////////8="/>
+                <pr:smNativeData xmlns:pr="smNativeData" val="SMDATA_13_IrKAXRMAAAAlAAAAZAAAAA8BAAAAkAAAAEgAAACQAAAASAAAAAAAAAABAAAAAAAAAAEAAABQAAAAAAAAAAAA4D8AAAAAAADgPwAAAAAAAOA/AAAAAAAA4D8AAAAAAADgPwAAAAAAAOA/AAAAAAAA4D8AAAAAAADgPwAAAAAAAOA/AAAAAAAA4D8CAAAAjAAAAAAAAAAAAAAAu+DjDP///wgAAAAAAAAAAAAAAAAAAAAAAAAAAAAAAAAAAAAAZAAAAAEAAABAAAAAAAAAAAAAAAAAAAAAAAAAAAAAAAAAAAAAAAAAAAAAAAAAAAAAAAAAAAAAAAAAAAAAAAAAAAAAAAAAAAAAAAAAAAAAAAAAAAAAAAAAAAAAAAAAAAAAFAAAADwAAAAAAAAAAAAAAAAAAAkUAAAAAQAAABQAAAAUAAAAFAAAAAEAAAAAAAAAZAAAAGQAAAAAAAAAZAAAAGQAAAAVAAAAYAAAAAAAAAAAAAAADwAAACADAAAAAAAAAAAAAAEAAACgMgAAVgcAAKr4//8BAAAAf39/AAEAAABkAAAAAAAAABQAAABAHwAAAAAAACYAAAAAAAAAwOD//wAAAAAmAAAAZAAAABYAAABMAAAAAAAAAAAAAAAEAAAAAAAAAAEAAACAgIAKAAAAACgAAAAoAAAAZAAAAGQAAAAAAAAAzMzMAAAAAABQAAAAUAAAAGQAAABkAAAAAAAAABcAAAAUAAAAAAAAAAAAAAD/fwAA/38AAAAAAAAJAAAABAAAAHBlPSIMAAAAEAAAAAAAAAAAAAAAAAAAAAAAAAAeAAAAaAAAAAAAAAAAAAAAAAAAAAAAAAAAAAAAECcAABAnAAAAAAAAAAAAAAAAAAAAAAAAAAAAAAAAAAAAAAAAAAAAABQAAAAAAAAAwMD/AAAAAABkAAAAMgAAAAAAAABkAAAAAAAAAH9/fwAKAAAAHwAAAFQAAAC74OMF////AQAAAAAAAAAAAAAAAAAAAAAAAAAAAAAAAAAAAAAAAAAAAAAAAn9/fwCAgIADzMzMAMDA/wB/f38AAAAAAAAAAAAAAAAAAAAAAAAAAAAhAAAAGAAAABQAAABqBAAAiAMAABY0AAAoBwAAEAAAACYAAAAIAAAA//////////8="/>
               </a:ext>
             </a:extLst>
           </p:cNvSpPr>
@@ -17184,7 +17198,7 @@
           <p:cNvSpPr txBox="1">
             <a:extLst>
               <a:ext uri="smNativeData">
-                <pr:smNativeData xmlns:pr="smNativeData" val="SMDATA_13_BbpsXRMAAAAlAAAAEgAAAE8BAAAAkAAAAEgAAACQAAAASAAAAAAAAAAAAAAAAAAAAAEAAABQAAAAAAAAAAAA4D8AAAAAAADgPwAAAAAAAOA/AAAAAAAA4D8AAAAAAADgPwAAAAAAAOA/AAAAAAAA4D8AAAAAAADgPwAAAAAAAOA/AAAAAAAA4D8CAAAAjAAAAAAAAAAAAAAAu+DjDP///wgAAAAAAAAAAAAAAAAAAAAAAAAAAAAAAAAAAAAAZAAAAAEAAABAAAAAAAAAAAAAAAAAAAAAAAAAAAAAAAAAAAAAAAAAAAAAAAAAAAAAAAAAAAAAAAAAAAAAAAAAAAAAAAAAAAAAAAAAAAAAAAAAAAAAAAAAAAAAAAAAAAAAFAAAADwAAAAAAAAAAAAAAAAAAAkUAAAAAQAAABQAAAAUAAAAFAAAAAEAAAAAAAAAZAAAAGQAAAAAAAAAZAAAAGQAAAAVAAAAYAAAAAAAAAAAAAAADwAAACADAAAAAAAAAAAAAAEAAACgMgAAVgcAAKr4//8BAAAAf39/AAEAAABkAAAAAAAAABQAAABAHwAAAAAAACYAAAAAAAAAwOD//wAAAAAmAAAAZAAAABYAAABMAAAAAAAAAAAAAAAEAAAAAAAAAAEAAACAgIAKAAAAACgAAAAoAAAAZAAAAGQAAAAAAAAAzMzMAAAAAABQAAAAUAAAAGQAAABkAAAAAAAAABcAAAAUAAAAAAAAANwIAAD/fwAA/38AAAAAAAAJAAAABAAAADkxNDQMAAAAEAAAAAAAAAAAAAAAAAAAAAAAAAAeAAAAaAAAAAAAAAAAAAAAAAAAAAAAAAAAAAAAECcAABAnAAAAAAAAAAAAAAAAAAAAAAAAAAAAAAAAAAAAAAAAAAAAABQAAAAAAAAAwMD/AAAAAABkAAAAMgAAAAAAAABkAAAAAAAAAH9/fwAKAAAAHwAAAFQAAAC74OMF////AQAAAAAAAAAAAAAAAAAAAAAAAAAAAAAAAAAAAAAAAAAAAAAAAn9/fwCAgIADzMzMAMDA/wB/f38AAAAAAAAAAAAAAAAAAAAAAAAAAAAhAAAAGAAAABQAAABqBAAA5wcAABY0AAAnCgAAECAAACYAAAAIAAAA//////////8="/>
+                <pr:smNativeData xmlns:pr="smNativeData" val="SMDATA_13_IrKAXRMAAAAlAAAAEgAAAE8BAAAAkAAAAEgAAACQAAAASAAAAAAAAAAAAAAAAAAAAAEAAABQAAAAAAAAAAAA4D8AAAAAAADgPwAAAAAAAOA/AAAAAAAA4D8AAAAAAADgPwAAAAAAAOA/AAAAAAAA4D8AAAAAAADgPwAAAAAAAOA/AAAAAAAA4D8CAAAAjAAAAAAAAAAAAAAAu+DjDP///wgAAAAAAAAAAAAAAAAAAAAAAAAAAAAAAAAAAAAAZAAAAAEAAABAAAAAAAAAAAAAAAAAAAAAAAAAAAAAAAAAAAAAAAAAAAAAAAAAAAAAAAAAAAAAAAAAAAAAAAAAAAAAAAAAAAAAAAAAAAAAAAAAAAAAAAAAAAAAAAAAAAAAFAAAADwAAAAAAAAAAAAAAAAAAAkUAAAAAQAAABQAAAAUAAAAFAAAAAEAAAAAAAAAZAAAAGQAAAAAAAAAZAAAAGQAAAAVAAAAYAAAAAAAAAAAAAAADwAAACADAAAAAAAAAAAAAAEAAACgMgAAVgcAAKr4//8BAAAAf39/AAEAAABkAAAAAAAAABQAAABAHwAAAAAAACYAAAAAAAAAwOD//wAAAAAmAAAAZAAAABYAAABMAAAAAAAAAAAAAAAEAAAAAAAAAAEAAACAgIAKAAAAACgAAAAoAAAAZAAAAGQAAAAAAAAAzMzMAAAAAABQAAAAUAAAAGQAAABkAAAAAAAAABcAAAAUAAAAAAAAANwIAAD/fwAA/38AAAAAAAAJAAAABAAAADkxNDQMAAAAEAAAAAAAAAAAAAAAAAAAAAAAAAAeAAAAaAAAAAAAAAAAAAAAAAAAAAAAAAAAAAAAECcAABAnAAAAAAAAAAAAAAAAAAAAAAAAAAAAAAAAAAAAAAAAAAAAABQAAAAAAAAAwMD/AAAAAABkAAAAMgAAAAAAAABkAAAAAAAAAH9/fwAKAAAAHwAAAFQAAAC74OMF////AQAAAAAAAAAAAAAAAAAAAAAAAAAAAAAAAAAAAAAAAAAAAAAAAn9/fwCAgIADzMzMAMDA/wB/f38AAAAAAAAAAAAAAAAAAAAAAAAAAAAhAAAAGAAAABQAAABqBAAA5wcAABY0AAAnCgAAECAAACYAAAAIAAAA//////////8="/>
               </a:ext>
             </a:extLst>
           </p:cNvSpPr>
@@ -17227,7 +17241,7 @@
           <p:cNvSpPr txBox="1">
             <a:extLst>
               <a:ext uri="smNativeData">
-                <pr:smNativeData xmlns:pr="smNativeData" val="SMDATA_13_BbpsXRMAAAAlAAAAEgAAAE8BAAAAkAAAAEgAAACQAAAASAAAAAAAAAAAAAAAAAAAAAEAAABQAAAAAAAAAAAA4D8AAAAAAADgPwAAAAAAAOA/AAAAAAAA4D8AAAAAAADgPwAAAAAAAOA/AAAAAAAA4D8AAAAAAADgPwAAAAAAAOA/AAAAAAAA4D8CAAAAjAAAAAAAAAAAAAAAu+DjDP///wgAAAAAAAAAAAAAAAAAAAAAAAAAAAAAAAAAAAAAZAAAAAEAAABAAAAAAAAAAAAAAAAAAAAAAAAAAAAAAAAAAAAAAAAAAAAAAAAAAAAAAAAAAAAAAAAAAAAAAAAAAAAAAAAAAAAAAAAAAAAAAAAAAAAAAAAAAAAAAAAAAAAAFAAAADwAAAAAAAAAAAAAAAAAAAkUAAAAAQAAABQAAAAUAAAAFAAAAAEAAAAAAAAAZAAAAGQAAAAAAAAAZAAAAGQAAAAVAAAAYAAAAAAAAAAAAAAADwAAACADAAAAAAAAAAAAAAEAAACgMgAAVgcAAKr4//8BAAAAf39/AAEAAABkAAAAAAAAABQAAABAHwAAAAAAACYAAAAAAAAAwOD//wAAAAAmAAAAZAAAABYAAABMAAAAAAAAAAAAAAAEAAAAAAAAAAEAAACAgIAKAAAAACgAAAAoAAAAZAAAAGQAAAAAAAAAzMzMAAAAAABQAAAAUAAAAGQAAABkAAAAAAAAABcAAAAUAAAAAAAAANwIAAD/fwAA/38AAAAAAAAJAAAABAAAAGxyIHYMAAAAEAAAAAAAAAAAAAAAAAAAAAAAAAAeAAAAaAAAAAAAAAAAAAAAAAAAAAAAAAAAAAAAECcAABAnAAAAAAAAAAAAAAAAAAAAAAAAAAAAAAAAAAAAAAAAAAAAABQAAAAAAAAAwMD/AAAAAABkAAAAMgAAAAAAAABkAAAAAAAAAH9/fwAKAAAAHwAAAFQAAAC74OMF////AQAAAAAAAAAAAAAAAAAAAAAAAAAAAAAAAAAAAAAAAAAAAAAAAn9/fwCAgIADzMzMAMDA/wB/f38AAAAAAAAAAAAAAAAAAAAAAAAAAAAhAAAAGAAAABQAAABqBAAAYBkAABY0AACgGwAAECAAACYAAAAIAAAA//////////8="/>
+                <pr:smNativeData xmlns:pr="smNativeData" val="SMDATA_13_IrKAXRMAAAAlAAAAEgAAAE8BAAAAkAAAAEgAAACQAAAASAAAAAAAAAAAAAAAAAAAAAEAAABQAAAAAAAAAAAA4D8AAAAAAADgPwAAAAAAAOA/AAAAAAAA4D8AAAAAAADgPwAAAAAAAOA/AAAAAAAA4D8AAAAAAADgPwAAAAAAAOA/AAAAAAAA4D8CAAAAjAAAAAAAAAAAAAAAu+DjDP///wgAAAAAAAAAAAAAAAAAAAAAAAAAAAAAAAAAAAAAZAAAAAEAAABAAAAAAAAAAAAAAAAAAAAAAAAAAAAAAAAAAAAAAAAAAAAAAAAAAAAAAAAAAAAAAAAAAAAAAAAAAAAAAAAAAAAAAAAAAAAAAAAAAAAAAAAAAAAAAAAAAAAAFAAAADwAAAAAAAAAAAAAAAAAAAkUAAAAAQAAABQAAAAUAAAAFAAAAAEAAAAAAAAAZAAAAGQAAAAAAAAAZAAAAGQAAAAVAAAAYAAAAAAAAAAAAAAADwAAACADAAAAAAAAAAAAAAEAAACgMgAAVgcAAKr4//8BAAAAf39/AAEAAABkAAAAAAAAABQAAABAHwAAAAAAACYAAAAAAAAAwOD//wAAAAAmAAAAZAAAABYAAABMAAAAAAAAAAAAAAAEAAAAAAAAAAEAAACAgIAKAAAAACgAAAAoAAAAZAAAAGQAAAAAAAAAzMzMAAAAAABQAAAAUAAAAGQAAABkAAAAAAAAABcAAAAUAAAAAAAAANwIAAD/fwAA/38AAAAAAAAJAAAABAAAAGxyIHYMAAAAEAAAAAAAAAAAAAAAAAAAAAAAAAAeAAAAaAAAAAAAAAAAAAAAAAAAAAAAAAAAAAAAECcAABAnAAAAAAAAAAAAAAAAAAAAAAAAAAAAAAAAAAAAAAAAAAAAABQAAAAAAAAAwMD/AAAAAABkAAAAMgAAAAAAAABkAAAAAAAAAH9/fwAKAAAAHwAAAFQAAAC74OMF////AQAAAAAAAAAAAAAAAAAAAAAAAAAAAAAAAAAAAAAAAAAAAAAAAn9/fwCAgIADzMzMAMDA/wB/f38AAAAAAAAAAAAAAAAAAAAAAAAAAAAhAAAAGAAAABQAAABqBAAAYBkAABY0AACgGwAAECAAACYAAAAIAAAA//////////8="/>
               </a:ext>
             </a:extLst>
           </p:cNvSpPr>
@@ -17280,7 +17294,7 @@
           <p:cNvSpPr txBox="1">
             <a:extLst>
               <a:ext uri="smNativeData">
-                <pr:smNativeData xmlns:pr="smNativeData" val="SMDATA_13_BbpsXRMAAAAlAAAAEgAAAE8BAAAAkAAAAEgAAACQAAAASAAAAAAAAAAAAAAAAAAAAAEAAABQAAAAAAAAAAAA4D8AAAAAAADgPwAAAAAAAOA/AAAAAAAA4D8AAAAAAADgPwAAAAAAAOA/AAAAAAAA4D8AAAAAAADgPwAAAAAAAOA/AAAAAAAA4D8CAAAAjAAAAAAAAAAAAAAAu+DjDP///wgAAAAAAAAAAAAAAAAAAAAAAAAAAAAAAAAAAAAAZAAAAAEAAABAAAAAAAAAAAAAAAAAAAAAAAAAAAAAAAAAAAAAAAAAAAAAAAAAAAAAAAAAAAAAAAAAAAAAAAAAAAAAAAAAAAAAAAAAAAAAAAAAAAAAAAAAAAAAAAAAAAAAFAAAADwAAAAAAAAAAAAAAAAAAAkUAAAAAQAAABQAAAAUAAAAFAAAAAEAAAAAAAAAZAAAAGQAAAAAAAAAZAAAAGQAAAAVAAAAYAAAAAAAAAAAAAAADwAAACADAAAAAAAAAAAAAAEAAACgMgAAVgcAAKr4//8BAAAAf39/AAEAAABkAAAAAAAAABQAAABAHwAAAAAAACYAAAAAAAAAwOD//wAAAAAmAAAAZAAAABYAAABMAAAAAAAAAAAAAAAEAAAAAAAAAAEAAACAgIAKAAAAACgAAAAoAAAAZAAAAGQAAAAAAAAAzMzMAAAAAABQAAAAUAAAAGQAAABkAAAAAAAAABcAAAAUAAAAAAAAANwIAAD/fwAA/38AAAAAAAAJAAAABAAAAPCptwMMAAAAEAAAAAAAAAAAAAAAAAAAAAAAAAAeAAAAaAAAAAAAAAAAAAAAAAAAAAAAAAAAAAAAECcAABAnAAAAAAAAAAAAAAAAAAAAAAAAAAAAAAAAAAAAAAAAAAAAABQAAAAAAAAAwMD/AAAAAABkAAAAMgAAAAAAAABkAAAAAAAAAH9/fwAKAAAAHwAAAFQAAAC74OMF////AQAAAAAAAAAAAAAAAAAAAAAAAAAAAAAAAAAAAAAAAAAAAAAAAn9/fwCAgIADzMzMAMDA/wB/f38AAAAAAAAAAAAAAAAAAAAAAAAAAAAhAAAAGAAAABQAAABqBAAA/SEAABY0AAA9JAAAECAAACYAAAAIAAAA//////////8="/>
+                <pr:smNativeData xmlns:pr="smNativeData" val="SMDATA_13_IrKAXRMAAAAlAAAAEgAAAE8BAAAAkAAAAEgAAACQAAAASAAAAAAAAAAAAAAAAAAAAAEAAABQAAAAAAAAAAAA4D8AAAAAAADgPwAAAAAAAOA/AAAAAAAA4D8AAAAAAADgPwAAAAAAAOA/AAAAAAAA4D8AAAAAAADgPwAAAAAAAOA/AAAAAAAA4D8CAAAAjAAAAAAAAAAAAAAAu+DjDP///wgAAAAAAAAAAAAAAAAAAAAAAAAAAAAAAAAAAAAAZAAAAAEAAABAAAAAAAAAAAAAAAAAAAAAAAAAAAAAAAAAAAAAAAAAAAAAAAAAAAAAAAAAAAAAAAAAAAAAAAAAAAAAAAAAAAAAAAAAAAAAAAAAAAAAAAAAAAAAAAAAAAAAFAAAADwAAAAAAAAAAAAAAAAAAAkUAAAAAQAAABQAAAAUAAAAFAAAAAEAAAAAAAAAZAAAAGQAAAAAAAAAZAAAAGQAAAAVAAAAYAAAAAAAAAAAAAAADwAAACADAAAAAAAAAAAAAAEAAACgMgAAVgcAAKr4//8BAAAAf39/AAEAAABkAAAAAAAAABQAAABAHwAAAAAAACYAAAAAAAAAwOD//wAAAAAmAAAAZAAAABYAAABMAAAAAAAAAAAAAAAEAAAAAAAAAAEAAACAgIAKAAAAACgAAAAoAAAAZAAAAGQAAAAAAAAAzMzMAAAAAABQAAAAUAAAAGQAAABkAAAAAAAAABcAAAAUAAAAAAAAANwIAAD/fwAA/38AAAAAAAAJAAAABAAAAPCptwMMAAAAEAAAAAAAAAAAAAAAAAAAAAAAAAAeAAAAaAAAAAAAAAAAAAAAAAAAAAAAAAAAAAAAECcAABAnAAAAAAAAAAAAAAAAAAAAAAAAAAAAAAAAAAAAAAAAAAAAABQAAAAAAAAAwMD/AAAAAABkAAAAMgAAAAAAAABkAAAAAAAAAH9/fwAKAAAAHwAAAFQAAAC74OMF////AQAAAAAAAAAAAAAAAAAAAAAAAAAAAAAAAAAAAAAAAAAAAAAAAn9/fwCAgIADzMzMAMDA/wB/f38AAAAAAAAAAAAAAAAAAAAAAAAAAAAhAAAAGAAAABQAAABqBAAA/SEAABY0AAA9JAAAECAAACYAAAAIAAAA//////////8="/>
               </a:ext>
             </a:extLst>
           </p:cNvSpPr>
@@ -17333,7 +17347,7 @@
           <p:cNvSpPr txBox="1">
             <a:extLst>
               <a:ext uri="smNativeData">
-                <pr:smNativeData xmlns:pr="smNativeData" val="SMDATA_13_BbpsXRMAAAAlAAAAEgAAAE8BAAAAkAAAAEgAAACQAAAASAAAAAAAAAAAAAAAAAAAAAEAAABQAAAAAAAAAAAA4D8AAAAAAADgPwAAAAAAAOA/AAAAAAAA4D8AAAAAAADgPwAAAAAAAOA/AAAAAAAA4D8AAAAAAADgPwAAAAAAAOA/AAAAAAAA4D8CAAAAjAAAAAAAAAAAAAAAu+DjDP///wgAAAAAAAAAAAAAAAAAAAAAAAAAAAAAAAAAAAAAZAAAAAEAAABAAAAAAAAAAAAAAAAAAAAAAAAAAAAAAAAAAAAAAAAAAAAAAAAAAAAAAAAAAAAAAAAAAAAAAAAAAAAAAAAAAAAAAAAAAAAAAAAAAAAAAAAAAAAAAAAAAAAAFAAAADwAAAAAAAAAAAAAAAAAAAkUAAAAAQAAABQAAAAUAAAAFAAAAAEAAAAAAAAAZAAAAGQAAAAAAAAAZAAAAGQAAAAVAAAAYAAAAAAAAAAAAAAADwAAACADAAAAAAAAAAAAAAEAAACgMgAAVgcAAKr4//8BAAAAf39/AAEAAABkAAAAAAAAABQAAABAHwAAAAAAACYAAAAAAAAAwOD//wAAAAAmAAAAZAAAABYAAABMAAAAAAAAAAAAAAAEAAAAAAAAAAEAAACAgIAKAAAAACgAAAAoAAAAZAAAAGQAAAAAAAAAzMzMAAAAAABQAAAAUAAAAGQAAABkAAAAAAAAABcAAAAUAAAAAAAAANwIAAD/fwAA/38AAAAAAAAJAAAABAAAAHlsZT4MAAAAEAAAAAAAAAAAAAAAAAAAAAAAAAAeAAAAaAAAAAAAAAAAAAAAAAAAAAAAAAAAAAAAECcAABAnAAAAAAAAAAAAAAAAAAAAAAAAAAAAAAAAAAAAAAAAAAAAABQAAAAAAAAAwMD/AAAAAABkAAAAMgAAAAAAAABkAAAAAAAAAH9/fwAKAAAAHwAAAFQAAAC74OMF////AQAAAAAAAAAAAAAAAAAAAAAAAAAAAAAAAAAAAAAAAAAAAAAAAn9/fwCAgIADzMzMAMDA/wB/f38AAAAAAAAAAAAAAAAAAAAAAAAAAAAhAAAAGAAAABQAAABqBAAAcSQAABY0AACxJgAAECAAACYAAAAIAAAA//////////8="/>
+                <pr:smNativeData xmlns:pr="smNativeData" val="SMDATA_13_IrKAXRMAAAAlAAAAEgAAAE8BAAAAkAAAAEgAAACQAAAASAAAAAAAAAAAAAAAAAAAAAEAAABQAAAAAAAAAAAA4D8AAAAAAADgPwAAAAAAAOA/AAAAAAAA4D8AAAAAAADgPwAAAAAAAOA/AAAAAAAA4D8AAAAAAADgPwAAAAAAAOA/AAAAAAAA4D8CAAAAjAAAAAAAAAAAAAAAu+DjDP///wgAAAAAAAAAAAAAAAAAAAAAAAAAAAAAAAAAAAAAZAAAAAEAAABAAAAAAAAAAAAAAAAAAAAAAAAAAAAAAAAAAAAAAAAAAAAAAAAAAAAAAAAAAAAAAAAAAAAAAAAAAAAAAAAAAAAAAAAAAAAAAAAAAAAAAAAAAAAAAAAAAAAAFAAAADwAAAAAAAAAAAAAAAAAAAkUAAAAAQAAABQAAAAUAAAAFAAAAAEAAAAAAAAAZAAAAGQAAAAAAAAAZAAAAGQAAAAVAAAAYAAAAAAAAAAAAAAADwAAACADAAAAAAAAAAAAAAEAAACgMgAAVgcAAKr4//8BAAAAf39/AAEAAABkAAAAAAAAABQAAABAHwAAAAAAACYAAAAAAAAAwOD//wAAAAAmAAAAZAAAABYAAABMAAAAAAAAAAAAAAAEAAAAAAAAAAEAAACAgIAKAAAAACgAAAAoAAAAZAAAAGQAAAAAAAAAzMzMAAAAAABQAAAAUAAAAGQAAABkAAAAAAAAABcAAAAUAAAAAAAAANwIAAD/fwAA/38AAAAAAAAJAAAABAAAAHlsZT4MAAAAEAAAAAAAAAAAAAAAAAAAAAAAAAAeAAAAaAAAAAAAAAAAAAAAAAAAAAAAAAAAAAAAECcAABAnAAAAAAAAAAAAAAAAAAAAAAAAAAAAAAAAAAAAAAAAAAAAABQAAAAAAAAAwMD/AAAAAABkAAAAMgAAAAAAAABkAAAAAAAAAH9/fwAKAAAAHwAAAFQAAAC74OMF////AQAAAAAAAAAAAAAAAAAAAAAAAAAAAAAAAAAAAAAAAAAAAAAAAn9/fwCAgIADzMzMAMDA/wB/f38AAAAAAAAAAAAAAAAAAAAAAAAAAAAhAAAAGAAAABQAAABqBAAAcSQAABY0AACxJgAAECAAACYAAAAIAAAA//////////8="/>
               </a:ext>
             </a:extLst>
           </p:cNvSpPr>
@@ -17380,7 +17394,7 @@
             <a:picLocks noChangeAspect="1"/>
             <a:extLst>
               <a:ext uri="smNativeData">
-                <pr:smNativeData xmlns:pr="smNativeData" val="SMDATA_15_BbpsXRMAAAAlAAAAEQAAAC8BAAAAkAAAAEgAAACQAAAASAAAAAAAAAAAAAAAAAAAAAEAAABQAAAAAAAAAAAA4D8AAAAAAADgPwAAAAAAAOA/AAAAAAAA4D8AAAAAAADgPwAAAAAAAOA/AAAAAAAA4D8AAAAAAADgPwAAAAAAAOA/AAAAAAAA4D8CAAAAjAAAAAAAAAAAAAAAu+DjDP///wgAAAAAAAAAAAAAAAAAAAAAAAAAAAAAAAAAAAAAZAAAAAEAAABAAAAAAAAAAAAAAAAAAAAAAAAAAAAAAAAAAAAAAAAAAAAAAAAAAAAAAAAAAAAAAAAAAAAAAAAAAAAAAAAAAAAAAAAAAAAAAAAAAAAAAAAAAAAAAAAAAAAAFAAAADwAAAAAAAAAAAAAAAAAAAkUAAAAAQAAABQAAAAUAAAAFAAAAAEAAAAAAAAAZAAAAGQAAAAAAAAAZAAAAGQAAAAVAAAAYAAAAAAAAAAAAAAADwAAACADAAAAAAAAAAAAAAEAAACgMgAAAAAAAAAAAAABAAAAf39/AAEAAABkAAAAAAAAABQAAABAHwAAAAAAACYAAAAAAAAAwOD//wAAAAAmAAAAZAAAABYAAABMAAAAAAAAAAAAAAAEAAAAAAAAAAEAAACAgIAKAAAAACgAAAAoAAAAZAAAAGQAAAAAAAAAzMzMAAAAAABQAAAAUAAAAGQAAABkAAAAAAAAAAcAAAA4AAAAAAAAAAAAAAAAAAAA////AAAAAAAAAAAAAAAAAAAAAAAAAAAAAAAAAAAAAABkAAAAZAAAAAAAAAAjAAAABAAAAGQAAAAXAAAAFAAAAAAAAAAAAAAA/38AAP9/AAAAAAAACQAAAAQAAAAAAAAADAAAABAAAAAAAAAAAAAAAAAAAAAAAAAAHgAAAGgAAAAAAAAAAAAAAAAAAAAAAAAAAAAAABAnAAAQJwAAAAAAAAAAAAAAAAAAAAAAAAAAAAAAAAAAAAAAAAAAAAAUAAAAAAAAAMDA/wAAAAAAZAAAADIAAAAAAAAAZAAAAAAAAAB/f38ACgAAAB8AAABUAAAAu+DjBf///wEAAAAAAAAAAAAAAAAAAAAAAAAAAAAAAAAAAAAAAAAAAAAAAAJ/f38AgICAA8zMzADAwP8Af39/AAAAAAAAAAAAAAAAAP///wAAAAAAIQAAABgAAAAUAAAANxEAACcKAADYJgAATxgAABAAAAAmAAAACAAAAP//////////"/>
+                <pr:smNativeData xmlns:pr="smNativeData" val="SMDATA_15_IrKAXRMAAAAlAAAAEQAAAC8BAAAAkAAAAEgAAACQAAAASAAAAAAAAAAAAAAAAAAAAAEAAABQAAAAAAAAAAAA4D8AAAAAAADgPwAAAAAAAOA/AAAAAAAA4D8AAAAAAADgPwAAAAAAAOA/AAAAAAAA4D8AAAAAAADgPwAAAAAAAOA/AAAAAAAA4D8CAAAAjAAAAAAAAAAAAAAAu+DjDP///wgAAAAAAAAAAAAAAAAAAAAAAAAAAAAAAAAAAAAAZAAAAAEAAABAAAAAAAAAAAAAAAAAAAAAAAAAAAAAAAAAAAAAAAAAAAAAAAAAAAAAAAAAAAAAAAAAAAAAAAAAAAAAAAAAAAAAAAAAAAAAAAAAAAAAAAAAAAAAAAAAAAAAFAAAADwAAAAAAAAAAAAAAAAAAAkUAAAAAQAAABQAAAAUAAAAFAAAAAEAAAAAAAAAZAAAAGQAAAAAAAAAZAAAAGQAAAAVAAAAYAAAAAAAAAAAAAAADwAAACADAAAAAAAAAAAAAAEAAACgMgAAAAAAAAAAAAABAAAAf39/AAEAAABkAAAAAAAAABQAAABAHwAAAAAAACYAAAAAAAAAwOD//wAAAAAmAAAAZAAAABYAAABMAAAAAAAAAAAAAAAEAAAAAAAAAAEAAACAgIAKAAAAACgAAAAoAAAAZAAAAGQAAAAAAAAAzMzMAAAAAABQAAAAUAAAAGQAAABkAAAAAAAAAAcAAAA4AAAAAAAAAAAAAAAAAAAA////AAAAAAAAAAAAAAAAAAAAAAAAAAAAAAAAAAAAAABkAAAAZAAAAAAAAAAjAAAABAAAAGQAAAAXAAAAFAAAAAAAAAAAAAAA/38AAP9/AAAAAAAACQAAAAQAAAAAAAAADAAAABAAAAAAAAAAAAAAAAAAAAAAAAAAHgAAAGgAAAAAAAAAAAAAAAAAAAAAAAAAAAAAABAnAAAQJwAAAAAAAAAAAAAAAAAAAAAAAAAAAAAAAAAAAAAAAAAAAAAUAAAAAAAAAMDA/wAAAAAAZAAAADIAAAAAAAAAZAAAAAAAAAB/f38ACgAAAB8AAABUAAAAu+DjBf///wEAAAAAAAAAAAAAAAAAAAAAAAAAAAAAAAAAAAAAAAAAAAAAAAJ/f38AgICAA8zMzADAwP8Af39/AAAAAAAAAAAAAAAAAP///wAAAAAAIQAAABgAAAAUAAAANxEAACcKAADYJgAATxgAABAAAAAmAAAACAAAAP//////////"/>
               </a:ext>
             </a:extLst>
           </p:cNvPicPr>
@@ -17413,7 +17427,7 @@
           <p:cNvSpPr txBox="1">
             <a:extLst>
               <a:ext uri="smNativeData">
-                <pr:smNativeData xmlns:pr="smNativeData" val="SMDATA_13_BbpsXRMAAAAlAAAAEgAAAE8BAAAAkAAAAEgAAACQAAAASAAAAAAAAAAAAAAAAAAAAAEAAABQAAAAAAAAAAAA4D8AAAAAAADgPwAAAAAAAOA/AAAAAAAA4D8AAAAAAADgPwAAAAAAAOA/AAAAAAAA4D8AAAAAAADgPwAAAAAAAOA/AAAAAAAA4D8CAAAAjAAAAAAAAAAAAAAAu+DjDP///wgAAAAAAAAAAAAAAAAAAAAAAAAAAAAAAAAAAAAAZAAAAAEAAABAAAAAAAAAAAAAAAAAAAAAAAAAAAAAAAAAAAAAAAAAAAAAAAAAAAAAAAAAAAAAAAAAAAAAAAAAAAAAAAAAAAAAAAAAAAAAAAAAAAAAAAAAAAAAAAAAAAAAFAAAADwAAAAAAAAAAAAAAAAAAAkUAAAAAQAAABQAAAAUAAAAFAAAAAEAAAAAAAAAZAAAAGQAAAAAAAAAZAAAAGQAAAAVAAAAYAAAAAAAAAAAAAAADwAAACADAAAAAAAAAAAAAAEAAACgMgAAVgcAAKr4//8BAAAAf39/AAEAAABkAAAAAAAAABQAAABAHwAAAAAAACYAAAAAAAAAwOD//wAAAAAmAAAAZAAAABYAAABMAAAAAAAAAAAAAAAEAAAAAAAAAAEAAACAgIAKAAAAACgAAAAoAAAAZAAAAGQAAAAAAAAAzMzMAAAAAABQAAAAUAAAAGQAAABkAAAAAAAAABcAAAAUAAAAAAAAANwIAAD/fwAA/38AAAAAAAAJAAAABAAAAAAAAAIMAAAAEAAAAAAAAAAAAAAAAAAAAAAAAAAeAAAAaAAAAAAAAAAAAAAAAAAAAAAAAAAAAAAAECcAABAnAAAAAAAAAAAAAAAAAAAAAAAAAAAAAAAAAAAAAAAAAAAAABQAAAAAAAAAwMD/AAAAAABkAAAAMgAAAAAAAABkAAAAAAAAAH9/fwAKAAAAHwAAAFQAAAC74OMF////AQAAAAAAAAAAAAAAAAAAAAAAAAAAAAAAAAAAAAAAAAAAAAAAAn9/fwCAgIADzMzMAMDA/wB/f38AAAAAAAAAAAAAAAAAAAAAAAAAAAAhAAAAGAAAABQAAABqBAAApiYAABY0AAA2KgAAECAAACYAAAAIAAAA//////////8="/>
+                <pr:smNativeData xmlns:pr="smNativeData" val="SMDATA_13_IrKAXRMAAAAlAAAAEgAAAE8BAAAAkAAAAEgAAACQAAAASAAAAAAAAAAAAAAAAAAAAAEAAABQAAAAAAAAAAAA4D8AAAAAAADgPwAAAAAAAOA/AAAAAAAA4D8AAAAAAADgPwAAAAAAAOA/AAAAAAAA4D8AAAAAAADgPwAAAAAAAOA/AAAAAAAA4D8CAAAAjAAAAAAAAAAAAAAAu+DjDP///wgAAAAAAAAAAAAAAAAAAAAAAAAAAAAAAAAAAAAAZAAAAAEAAABAAAAAAAAAAAAAAAAAAAAAAAAAAAAAAAAAAAAAAAAAAAAAAAAAAAAAAAAAAAAAAAAAAAAAAAAAAAAAAAAAAAAAAAAAAAAAAAAAAAAAAAAAAAAAAAAAAAAAFAAAADwAAAAAAAAAAAAAAAAAAAkUAAAAAQAAABQAAAAUAAAAFAAAAAEAAAAAAAAAZAAAAGQAAAAAAAAAZAAAAGQAAAAVAAAAYAAAAAAAAAAAAAAADwAAACADAAAAAAAAAAAAAAEAAACgMgAAVgcAAKr4//8BAAAAf39/AAEAAABkAAAAAAAAABQAAABAHwAAAAAAACYAAAAAAAAAwOD//wAAAAAmAAAAZAAAABYAAABMAAAAAAAAAAAAAAAEAAAAAAAAAAEAAACAgIAKAAAAACgAAAAoAAAAZAAAAGQAAAAAAAAAzMzMAAAAAABQAAAAUAAAAGQAAABkAAAAAAAAABcAAAAUAAAAAAAAANwIAAD/fwAA/38AAAAAAAAJAAAABAAAAAAAAAIMAAAAEAAAAAAAAAAAAAAAAAAAAAAAAAAeAAAAaAAAAAAAAAAAAAAAAAAAAAAAAAAAAAAAECcAABAnAAAAAAAAAAAAAAAAAAAAAAAAAAAAAAAAAAAAAAAAAAAAABQAAAAAAAAAwMD/AAAAAABkAAAAMgAAAAAAAABkAAAAAAAAAH9/fwAKAAAAHwAAAFQAAAC74OMF////AQAAAAAAAAAAAAAAAAAAAAAAAAAAAAAAAAAAAAAAAAAAAAAAAn9/fwCAgIADzMzMAMDA/wB/f38AAAAAAAAAAAAAAAAAAAAAAAAAAAAhAAAAGAAAABQAAABqBAAApiYAABY0AAA2KgAAECAAACYAAAAIAAAA//////////8="/>
               </a:ext>
             </a:extLst>
           </p:cNvSpPr>
@@ -17459,7 +17473,7 @@
           <p:cNvSpPr txBox="1">
             <a:extLst>
               <a:ext uri="smNativeData">
-                <pr:smNativeData xmlns:pr="smNativeData" val="SMDATA_13_BbpsXRMAAAAlAAAAEgAAAE8BAAAAkAAAAEgAAACQAAAASAAAAAAAAAAAAAAAAAAAAAEAAABQAAAAAAAAAAAA4D8AAAAAAADgPwAAAAAAAOA/AAAAAAAA4D8AAAAAAADgPwAAAAAAAOA/AAAAAAAA4D8AAAAAAADgPwAAAAAAAOA/AAAAAAAA4D8CAAAAjAAAAAAAAAAAAAAAu+DjDP///wgAAAAAAAAAAAAAAAAAAAAAAAAAAAAAAAAAAAAAZAAAAAEAAABAAAAAAAAAAAAAAAAAAAAAAAAAAAAAAAAAAAAAAAAAAAAAAAAAAAAAAAAAAAAAAAAAAAAAAAAAAAAAAAAAAAAAAAAAAAAAAAAAAAAAAAAAAAAAAAAAAAAAFAAAADwAAAAAAAAAAAAAAAAAAAkUAAAAAQAAABQAAAAUAAAAFAAAAAEAAAAAAAAAZAAAAGQAAAAAAAAAZAAAAGQAAAAVAAAAYAAAAAAAAAAAAAAADwAAACADAAAAAAAAAAAAAAEAAACgMgAAVgcAAKr4//8BAAAAf39/AAEAAABkAAAAAAAAABQAAABAHwAAAAAAACYAAAAAAAAAwOD//wAAAAAmAAAAZAAAABYAAABMAAAAAAAAAAAAAAAEAAAAAAAAAAEAAACAgIAKAAAAACgAAAAoAAAAZAAAAGQAAAAAAAAAzMzMAAAAAABQAAAAUAAAAGQAAABkAAAAAAAAABcAAAAUAAAAAAAAANwIAAD/fwAA/38AAAAAAAAJAAAABAAAAAAAAAAMAAAAEAAAAAAAAAAAAAAAAAAAAAAAAAAeAAAAaAAAAAAAAAAAAAAAAAAAAAAAAAAAAAAAECcAABAnAAAAAAAAAAAAAAAAAAAAAAAAAAAAAAAAAAAAAAAAAAAAABQAAAAAAAAAwMD/AAAAAABkAAAAMgAAAAAAAABkAAAAAAAAAH9/fwAKAAAAHwAAAFQAAAC74OMF////AQAAAAAAAAAAAAAAAAAAAAAAAAAAAAAAAAAAAAAAAAAAAAAAAn9/fwCAgIADzMzMAMDA/wB/f38AAAAAAAAAAAAAAAAAAAAAAAAAAAAhAAAAGAAAABQAAABqBAAAOB4AABY0AABIIAAAECAAACYAAAAIAAAA//////////8="/>
+                <pr:smNativeData xmlns:pr="smNativeData" val="SMDATA_13_IrKAXRMAAAAlAAAAEgAAAE8BAAAAkAAAAEgAAACQAAAASAAAAAAAAAAAAAAAAAAAAAEAAABQAAAAAAAAAAAA4D8AAAAAAADgPwAAAAAAAOA/AAAAAAAA4D8AAAAAAADgPwAAAAAAAOA/AAAAAAAA4D8AAAAAAADgPwAAAAAAAOA/AAAAAAAA4D8CAAAAjAAAAAAAAAAAAAAAu+DjDP///wgAAAAAAAAAAAAAAAAAAAAAAAAAAAAAAAAAAAAAZAAAAAEAAABAAAAAAAAAAAAAAAAAAAAAAAAAAAAAAAAAAAAAAAAAAAAAAAAAAAAAAAAAAAAAAAAAAAAAAAAAAAAAAAAAAAAAAAAAAAAAAAAAAAAAAAAAAAAAAAAAAAAAFAAAADwAAAAAAAAAAAAAAAAAAAkUAAAAAQAAABQAAAAUAAAAFAAAAAEAAAAAAAAAZAAAAGQAAAAAAAAAZAAAAGQAAAAVAAAAYAAAAAAAAAAAAAAADwAAACADAAAAAAAAAAAAAAEAAACgMgAAVgcAAKr4//8BAAAAf39/AAEAAABkAAAAAAAAABQAAABAHwAAAAAAACYAAAAAAAAAwOD//wAAAAAmAAAAZAAAABYAAABMAAAAAAAAAAAAAAAEAAAAAAAAAAEAAACAgIAKAAAAACgAAAAoAAAAZAAAAGQAAAAAAAAAzMzMAAAAAABQAAAAUAAAAGQAAABkAAAAAAAAABcAAAAUAAAAAAAAANwIAAD/fwAA/38AAAAAAAAJAAAABAAAAAAAAAAMAAAAEAAAAAAAAAAAAAAAAAAAAAAAAAAeAAAAaAAAAAAAAAAAAAAAAAAAAAAAAAAAAAAAECcAABAnAAAAAAAAAAAAAAAAAAAAAAAAAAAAAAAAAAAAAAAAAAAAABQAAAAAAAAAwMD/AAAAAABkAAAAMgAAAAAAAABkAAAAAAAAAH9/fwAKAAAAHwAAAFQAAAC74OMF////AQAAAAAAAAAAAAAAAAAAAAAAAAAAAAAAAAAAAAAAAAAAAAAAAn9/fwCAgIADzMzMAMDA/wB/f38AAAAAAAAAAAAAAAAAAAAAAAAAAAAhAAAAGAAAABQAAABqBAAAOB4AABY0AABIIAAAECAAACYAAAAIAAAA//////////8="/>
               </a:ext>
             </a:extLst>
           </p:cNvSpPr>
@@ -17505,7 +17519,7 @@
           <p:cNvSpPr txBox="1">
             <a:extLst>
               <a:ext uri="smNativeData">
-                <pr:smNativeData xmlns:pr="smNativeData" val="SMDATA_13_BbpsXRMAAAAlAAAAEgAAAE8BAAAAkAAAAEgAAACQAAAASAAAAAAAAAAAAAAAAAAAAAEAAABQAAAAAAAAAAAA4D8AAAAAAADgPwAAAAAAAOA/AAAAAAAA4D8AAAAAAADgPwAAAAAAAOA/AAAAAAAA4D8AAAAAAADgPwAAAAAAAOA/AAAAAAAA4D8CAAAAjAAAAAAAAAAAAAAAu+DjDP///wgAAAAAAAAAAAAAAAAAAAAAAAAAAAAAAAAAAAAAZAAAAAEAAABAAAAAAAAAAAAAAAAAAAAAAAAAAAAAAAAAAAAAAAAAAAAAAAAAAAAAAAAAAAAAAAAAAAAAAAAAAAAAAAAAAAAAAAAAAAAAAAAAAAAAAAAAAAAAAAAAAAAAFAAAADwAAAAAAAAAAAAAAAAAAAkUAAAAAQAAABQAAAAUAAAAFAAAAAEAAAAAAAAAZAAAAGQAAAAAAAAAZAAAAGQAAAAVAAAAYAAAAAAAAAAAAAAADwAAACADAAAAAAAAAAAAAAEAAACgMgAAVgcAAKr4//8BAAAAf39/AAEAAABkAAAAAAAAABQAAABAHwAAAAAAACYAAAAAAAAAwOD//wAAAAAmAAAAZAAAABYAAABMAAAAAAAAAAAAAAAEAAAAAAAAAAEAAACAgIAKAAAAACgAAAAoAAAAZAAAAGQAAAAAAAAAzMzMAAAAAABQAAAAUAAAAGQAAABkAAAAAAAAABcAAAAUAAAAAAAAANwIAAD/fwAA/38AAAAAAAAJAAAABAAAAAIA/f8MAAAAEAAAAAAAAAAAAAAAAAAAAAAAAAAeAAAAaAAAAAAAAAAAAAAAAAAAAAAAAAAAAAAAECcAABAnAAAAAAAAAAAAAAAAAAAAAAAAAAAAAAAAAAAAAAAAAAAAABQAAAAAAAAAwMD/AAAAAABkAAAAMgAAAAAAAABkAAAAAAAAAH9/fwAKAAAAHwAAAFQAAAC74OMF////AQAAAAAAAAAAAAAAAAAAAAAAAAAAAAAAAAAAAAAAAAAAAAAAAn9/fwCAgIADzMzMAMDA/wB/f38AAAAAAAAAAAAAAAAAAAAAAAAAAAAhAAAAGAAAABQAAABqBAAAARwAABY0AABBHgAAECAAACYAAAAIAAAA//////////8="/>
+                <pr:smNativeData xmlns:pr="smNativeData" val="SMDATA_13_IrKAXRMAAAAlAAAAEgAAAE8BAAAAkAAAAEgAAACQAAAASAAAAAAAAAAAAAAAAAAAAAEAAABQAAAAAAAAAAAA4D8AAAAAAADgPwAAAAAAAOA/AAAAAAAA4D8AAAAAAADgPwAAAAAAAOA/AAAAAAAA4D8AAAAAAADgPwAAAAAAAOA/AAAAAAAA4D8CAAAAjAAAAAAAAAAAAAAAu+DjDP///wgAAAAAAAAAAAAAAAAAAAAAAAAAAAAAAAAAAAAAZAAAAAEAAABAAAAAAAAAAAAAAAAAAAAAAAAAAAAAAAAAAAAAAAAAAAAAAAAAAAAAAAAAAAAAAAAAAAAAAAAAAAAAAAAAAAAAAAAAAAAAAAAAAAAAAAAAAAAAAAAAAAAAFAAAADwAAAAAAAAAAAAAAAAAAAkUAAAAAQAAABQAAAAUAAAAFAAAAAEAAAAAAAAAZAAAAGQAAAAAAAAAZAAAAGQAAAAVAAAAYAAAAAAAAAAAAAAADwAAACADAAAAAAAAAAAAAAEAAACgMgAAVgcAAKr4//8BAAAAf39/AAEAAABkAAAAAAAAABQAAABAHwAAAAAAACYAAAAAAAAAwOD//wAAAAAmAAAAZAAAABYAAABMAAAAAAAAAAAAAAAEAAAAAAAAAAEAAACAgIAKAAAAACgAAAAoAAAAZAAAAGQAAAAAAAAAzMzMAAAAAABQAAAAUAAAAGQAAABkAAAAAAAAABcAAAAUAAAAAAAAANwIAAD/fwAA/38AAAAAAAAJAAAABAAAAAIA/f8MAAAAEAAAAAAAAAAAAAAAAAAAAAAAAAAeAAAAaAAAAAAAAAAAAAAAAAAAAAAAAAAAAAAAECcAABAnAAAAAAAAAAAAAAAAAAAAAAAAAAAAAAAAAAAAAAAAAAAAABQAAAAAAAAAwMD/AAAAAABkAAAAMgAAAAAAAABkAAAAAAAAAH9/fwAKAAAAHwAAAFQAAAC74OMF////AQAAAAAAAAAAAAAAAAAAAAAAAAAAAAAAAAAAAAAAAAAAAAAAAn9/fwCAgIADzMzMAMDA/wB/f38AAAAAAAAAAAAAAAAAAAAAAAAAAAAhAAAAGAAAABQAAABqBAAAARwAABY0AABBHgAAECAAACYAAAAIAAAA//////////8="/>
               </a:ext>
             </a:extLst>
           </p:cNvSpPr>
@@ -17551,7 +17565,7 @@
           <p:cNvSpPr>
             <a:extLst>
               <a:ext uri="smNativeData">
-                <pr:smNativeData xmlns:pr="smNativeData" val="SMDATA_13_BbpsXRMAAAAlAAAAZAAAAA8BAAAAkAAAAEgAAACQAAAASAAAAAAAAAAAAAAAAAAAAAEAAABQAAAAAAAAAAAA4D8AAAAAAADgPwAAAAAAAOA/AAAAAAAA4D8AAAAAAADgPwAAAAAAAOA/AAAAAAAA4D8AAAAAAADgPwAAAAAAAOA/AAAAAAAA4D8CAAAAjAAAAAEAAAAAAAAAHh4eAP///wgAAAAAAAAAAAAAAAAAAAAAAAAAAAAAAAAAAAAAZAAAAAEAAABAAAAAAAAAAAAAAAAAAAAAAAAAAAAAAAAAAAAAAAAAAAAAAAAAAAAAAAAAAAAAAAAAAAAAAAAAAAAAAAAAAAAAAAAAAAAAAAAAAAAAAAAAAAAAAAAAAAAAFAAAADwAAAAAAAAAAAAAAAAAAAkAAAAAAQAAAAAAAAAAAAAAAAAAAAAAAAAAAAAAZAAAAGQAAAAAAAAAZAAAAGQAAAAVAAAAYAAAAAAAAAAAAAAADwAAACADAAAAAAAAAAAAAAEAAACgMgAAAAAAAAAAAAABAAAAf39/AAEAAABkAAAAAAAAABQAAABAHwAAAAAAACYAAAAAAAAAwOD//wAAAAAmAAAAZAAAABYAAABMAAAAAAAAAAAAAAAEAAAAAAAAAAEAAACAgIAKAAAAACgAAAAoAAAAZAAAAGQAAAAAAAAAzMzMAAAAAABQAAAAUAAAAGQAAABkAAAAAAAAABcAAAAUAAAAAAAAAAAAAAD/fwAA/38AAAAAAAAJAAAABAAAAGxyIHYMAAAAEAAAAAAAAAAAAAAAAAAAAAAAAAAeAAAAaAAAAAAAAAAAAAAAAAAAAAAAAAAAAAAAECcAABAnAAAAAAAAAAAAAAAAAAAAAAAAAAAAAAAAAAAAAAAAAAAAABQAAAAAAAAAwMD/AAAAAABkAAAAMgAAAAAAAABkAAAAAAAAAH9/fwAKAAAAHwAAAFQAAAAeHh4A////AQAAAAAAAAAAAAAAAAAAAAAAAAAAAAAAAAAAAAAAAAAAAAAAAn9/fwCAgIADzMzMAMDA/wB/f38AAAAAAAAAAAAAAAAAAAAAAAAAAAAhAAAAGAAAABQAAAAAAAAAZQcAAEA4AAC4CAAAEAAAACYAAAAIAAAA//////////8="/>
+                <pr:smNativeData xmlns:pr="smNativeData" val="SMDATA_13_IrKAXRMAAAAlAAAAZAAAAA8BAAAAkAAAAEgAAACQAAAASAAAAAAAAAAAAAAAAAAAAAEAAABQAAAAAAAAAAAA4D8AAAAAAADgPwAAAAAAAOA/AAAAAAAA4D8AAAAAAADgPwAAAAAAAOA/AAAAAAAA4D8AAAAAAADgPwAAAAAAAOA/AAAAAAAA4D8CAAAAjAAAAAEAAAAAAAAAHh4eAP///wgAAAAAAAAAAAAAAAAAAAAAAAAAAAAAAAAAAAAAZAAAAAEAAABAAAAAAAAAAAAAAAAAAAAAAAAAAAAAAAAAAAAAAAAAAAAAAAAAAAAAAAAAAAAAAAAAAAAAAAAAAAAAAAAAAAAAAAAAAAAAAAAAAAAAAAAAAAAAAAAAAAAAFAAAADwAAAAAAAAAAAAAAAAAAAkAAAAAAQAAAAAAAAAAAAAAAAAAAAAAAAAAAAAAZAAAAGQAAAAAAAAAZAAAAGQAAAAVAAAAYAAAAAAAAAAAAAAADwAAACADAAAAAAAAAAAAAAEAAACgMgAAAAAAAAAAAAABAAAAf39/AAEAAABkAAAAAAAAABQAAABAHwAAAAAAACYAAAAAAAAAwOD//wAAAAAmAAAAZAAAABYAAABMAAAAAAAAAAAAAAAEAAAAAAAAAAEAAACAgIAKAAAAACgAAAAoAAAAZAAAAGQAAAAAAAAAzMzMAAAAAABQAAAAUAAAAGQAAABkAAAAAAAAABcAAAAUAAAAAAAAAAAAAAD/fwAA/38AAAAAAAAJAAAABAAAAGxyIHYMAAAAEAAAAAAAAAAAAAAAAAAAAAAAAAAeAAAAaAAAAAAAAAAAAAAAAAAAAAAAAAAAAAAAECcAABAnAAAAAAAAAAAAAAAAAAAAAAAAAAAAAAAAAAAAAAAAAAAAABQAAAAAAAAAwMD/AAAAAABkAAAAMgAAAAAAAABkAAAAAAAAAH9/fwAKAAAAHwAAAFQAAAAeHh4A////AQAAAAAAAAAAAAAAAAAAAAAAAAAAAAAAAAAAAAAAAAAAAAAAAn9/fwCAgIADzMzMAMDA/wB/f38AAAAAAAAAAAAAAAAAAAAAAAAAAAAhAAAAGAAAABQAAAAAAAAAZQcAAEA4AAC4CAAAEAAAACYAAAAIAAAA//////////8="/>
               </a:ext>
             </a:extLst>
           </p:cNvSpPr>
@@ -17620,7 +17634,7 @@
           <p:cNvSpPr>
             <a:extLst>
               <a:ext uri="smNativeData">
-                <pr:smNativeData xmlns:pr="smNativeData" val="SMDATA_13_BbpsXRMAAAAlAAAAZAAAAA8BAAAAkAAAAEgAAACQAAAASAAAAAAAAAABAAAAAAAAAAEAAABQAAAAAAAAAAAA4D8AAAAAAADgPwAAAAAAAOA/AAAAAAAA4D8AAAAAAADgPwAAAAAAAOA/AAAAAAAA4D8AAAAAAADgPwAAAAAAAOA/AAAAAAAA4D8CAAAAjAAAAAAAAAAAAAAAu+DjDP///wgAAAAAAAAAAAAAAAAAAAAAAAAAAAAAAAAAAAAAZAAAAAEAAABAAAAAAAAAAAAAAAAAAAAAAAAAAAAAAAAAAAAAAAAAAAAAAAAAAAAAAAAAAAAAAAAAAAAAAAAAAAAAAAAAAAAAAAAAAAAAAAAAAAAAAAAAAAAAAAAAAAAAFAAAADwAAAAAAAAAAAAAAAAAAAkUAAAAAQAAABQAAAAUAAAAFAAAAAEAAAAAAAAAZAAAAGQAAAAAAAAAZAAAAGQAAAAVAAAAYAAAAAAAAAAAAAAADwAAACADAAAAAAAAAAAAAAEAAACgMgAAVgcAAKr4//8BAAAAf39/AAEAAABkAAAAAAAAABQAAABAHwAAAAAAACYAAAAAAAAAwOD//wAAAAAmAAAAZAAAABYAAABMAAAAAAAAAAAAAAAEAAAAAAAAAAEAAACAgIAKAAAAACgAAAAoAAAAZAAAAGQAAAAAAAAAzMzMAAAAAABQAAAAUAAAAGQAAABkAAAAAAAAABcAAAAUAAAAAAAAAAAAAAD/fwAA/38AAAAAAAAJAAAABAAAAAEAAAAMAAAAEAAAAAAAAAAAAAAAAAAAAAAAAAAeAAAAaAAAAAAAAAAAAAAAAAAAAAAAAAAAAAAAECcAABAnAAAAAAAAAAAAAAAAAAAAAAAAAAAAAAAAAAAAAAAAAAAAABQAAAAAAAAAwMD/AAAAAABkAAAAMgAAAAAAAABkAAAAAAAAAH9/fwAKAAAAHwAAAFQAAAC74OMF////AQAAAAAAAAAAAAAAAAAAAAAAAAAAAAAAAAAAAAAAAAAAAAAAAn9/fwCAgIADzMzMAMDA/wB/f38AAAAAAAAAAAAAAAAAAAAAAAAAAAAhAAAAGAAAABQAAABqBAAAiAMAABY0AAAoBwAAEAAAACYAAAAIAAAA//////////8="/>
+                <pr:smNativeData xmlns:pr="smNativeData" val="SMDATA_13_IrKAXRMAAAAlAAAAZAAAAA8BAAAAkAAAAEgAAACQAAAASAAAAAAAAAABAAAAAAAAAAEAAABQAAAAAAAAAAAA4D8AAAAAAADgPwAAAAAAAOA/AAAAAAAA4D8AAAAAAADgPwAAAAAAAOA/AAAAAAAA4D8AAAAAAADgPwAAAAAAAOA/AAAAAAAA4D8CAAAAjAAAAAAAAAAAAAAAu+DjDP///wgAAAAAAAAAAAAAAAAAAAAAAAAAAAAAAAAAAAAAZAAAAAEAAABAAAAAAAAAAAAAAAAAAAAAAAAAAAAAAAAAAAAAAAAAAAAAAAAAAAAAAAAAAAAAAAAAAAAAAAAAAAAAAAAAAAAAAAAAAAAAAAAAAAAAAAAAAAAAAAAAAAAAFAAAADwAAAAAAAAAAAAAAAAAAAkUAAAAAQAAABQAAAAUAAAAFAAAAAEAAAAAAAAAZAAAAGQAAAAAAAAAZAAAAGQAAAAVAAAAYAAAAAAAAAAAAAAADwAAACADAAAAAAAAAAAAAAEAAACgMgAAVgcAAKr4//8BAAAAf39/AAEAAABkAAAAAAAAABQAAABAHwAAAAAAACYAAAAAAAAAwOD//wAAAAAmAAAAZAAAABYAAABMAAAAAAAAAAAAAAAEAAAAAAAAAAEAAACAgIAKAAAAACgAAAAoAAAAZAAAAGQAAAAAAAAAzMzMAAAAAABQAAAAUAAAAGQAAABkAAAAAAAAABcAAAAUAAAAAAAAAAAAAAD/fwAA/38AAAAAAAAJAAAABAAAAAEAAAAMAAAAEAAAAAAAAAAAAAAAAAAAAAAAAAAeAAAAaAAAAAAAAAAAAAAAAAAAAAAAAAAAAAAAECcAABAnAAAAAAAAAAAAAAAAAAAAAAAAAAAAAAAAAAAAAAAAAAAAABQAAAAAAAAAwMD/AAAAAABkAAAAMgAAAAAAAABkAAAAAAAAAH9/fwAKAAAAHwAAAFQAAAC74OMF////AQAAAAAAAAAAAAAAAAAAAAAAAAAAAAAAAAAAAAAAAAAAAAAAAn9/fwCAgIADzMzMAMDA/wB/f38AAAAAAAAAAAAAAAAAAAAAAAAAAAAhAAAAGAAAABQAAABqBAAAiAMAABY0AAAoBwAAEAAAACYAAAAIAAAA//////////8="/>
               </a:ext>
             </a:extLst>
           </p:cNvSpPr>
@@ -17666,7 +17680,7 @@
           <p:cNvSpPr txBox="1">
             <a:extLst>
               <a:ext uri="smNativeData">
-                <pr:smNativeData xmlns:pr="smNativeData" val="SMDATA_13_BbpsXRMAAAAlAAAAEgAAAA8BAAAAkAAAAEgAAACQAAAASAAAAAAAAAAAAAAAAAAAAAEAAABQAAAAAAAAAAAA4D8AAAAAAADgPwAAAAAAAOA/AAAAAAAA4D8AAAAAAADgPwAAAAAAAOA/AAAAAAAA4D8AAAAAAADgPwAAAAAAAOA/AAAAAAAA4D8CAAAAjAAAAAAAAAAAAAAAu+DjDP///wgAAAAAAAAAAAAAAAAAAAAAAAAAAAAAAAAAAAAAZAAAAAEAAABAAAAAAAAAAAAAAAAAAAAAAAAAAAAAAAAAAAAAAAAAAAAAAAAAAAAAAAAAAAAAAAAAAAAAAAAAAAAAAAAAAAAAAAAAAAAAAAAAAAAAAAAAAAAAAAAAAAAAFAAAADwAAAAAAAAAAAAAAAAAAAkUAAAAAQAAABQAAAAUAAAAFAAAAAEAAAAAAAAAZAAAAGQAAAAAAAAAZAAAAGQAAAAVAAAAYAAAAAAAAAAAAAAADwAAACADAAAAAAAAAAAAAAEAAACgMgAAVgcAAKr4//8BAAAAf39/AAEAAABkAAAAAAAAABQAAABAHwAAAAAAACYAAAAAAAAAwOD//wAAAAAmAAAAZAAAABYAAABMAAAAAAAAAAAAAAAEAAAAAAAAAAEAAACAgIAKAAAAACgAAAAoAAAAZAAAAGQAAAAAAAAAzMzMAAAAAABQAAAAUAAAAGQAAABkAAAAAAAAABcAAAAUAAAAAAAAANwIAAD/fwAA/38AAAAAAAAJAAAABAAAAAEAAAAMAAAAEAAAAAAAAAAAAAAAAAAAAAAAAAAeAAAAaAAAAAAAAAAAAAAAAAAAAAAAAAAAAAAAECcAABAnAAAAAAAAAAAAAAAAAAAAAAAAAAAAAAAAAAAAAAAAAAAAABQAAAAAAAAAwMD/AAAAAABkAAAAMgAAAAAAAABkAAAAAAAAAH9/fwAKAAAAHwAAAFQAAAC74OMF////AQAAAAAAAAAAAAAAAAAAAAAAAAAAAAAAAAAAAAAAAAAAAAAAAn9/fwCAgIADzMzMAMDA/wB/f38AAAAAAAAAAAAAAAAAAAAAAAAAAAAhAAAAGAAAABQAAABqBAAA4QgAABY0AAACDwAAEAAAACYAAAAIAAAA//////////8="/>
+                <pr:smNativeData xmlns:pr="smNativeData" val="SMDATA_13_IrKAXRMAAAAlAAAAEgAAAA8BAAAAkAAAAEgAAACQAAAASAAAAAAAAAAAAAAAAAAAAAEAAABQAAAAAAAAAAAA4D8AAAAAAADgPwAAAAAAAOA/AAAAAAAA4D8AAAAAAADgPwAAAAAAAOA/AAAAAAAA4D8AAAAAAADgPwAAAAAAAOA/AAAAAAAA4D8CAAAAjAAAAAAAAAAAAAAAu+DjDP///wgAAAAAAAAAAAAAAAAAAAAAAAAAAAAAAAAAAAAAZAAAAAEAAABAAAAAAAAAAAAAAAAAAAAAAAAAAAAAAAAAAAAAAAAAAAAAAAAAAAAAAAAAAAAAAAAAAAAAAAAAAAAAAAAAAAAAAAAAAAAAAAAAAAAAAAAAAAAAAAAAAAAAFAAAADwAAAAAAAAAAAAAAAAAAAkUAAAAAQAAABQAAAAUAAAAFAAAAAEAAAAAAAAAZAAAAGQAAAAAAAAAZAAAAGQAAAAVAAAAYAAAAAAAAAAAAAAADwAAACADAAAAAAAAAAAAAAEAAACgMgAAVgcAAKr4//8BAAAAf39/AAEAAABkAAAAAAAAABQAAABAHwAAAAAAACYAAAAAAAAAwOD//wAAAAAmAAAAZAAAABYAAABMAAAAAAAAAAAAAAAEAAAAAAAAAAEAAACAgIAKAAAAACgAAAAoAAAAZAAAAGQAAAAAAAAAzMzMAAAAAABQAAAAUAAAAGQAAABkAAAAAAAAABcAAAAUAAAAAAAAANwIAAD/fwAA/38AAAAAAAAJAAAABAAAAAEAAAAMAAAAEAAAAAAAAAAAAAAAAAAAAAAAAAAeAAAAaAAAAAAAAAAAAAAAAAAAAAAAAAAAAAAAECcAABAnAAAAAAAAAAAAAAAAAAAAAAAAAAAAAAAAAAAAAAAAAAAAABQAAAAAAAAAwMD/AAAAAABkAAAAMgAAAAAAAABkAAAAAAAAAH9/fwAKAAAAHwAAAFQAAAC74OMF////AQAAAAAAAAAAAAAAAAAAAAAAAAAAAAAAAAAAAAAAAAAAAAAAAn9/fwCAgIADzMzMAMDA/wB/f38AAAAAAAAAAAAAAAAAAAAAAAAAAAAhAAAAGAAAABQAAABqBAAA4QgAABY0AAACDwAAEAAAACYAAAAIAAAA//////////8="/>
               </a:ext>
             </a:extLst>
           </p:cNvSpPr>
@@ -17840,7 +17854,7 @@
                 </a:tc>
                 <a:extLst>
                   <a:ext uri="smNativeData">
-                    <pr:rowheight xmlns="" xmlns:pr="smNativeData" dt="1567406597" type="min" val="1421765"/>
+                    <pr:rowheight xmlns="" xmlns:pr="smNativeData" dt="1568715298" type="min" val="1421765"/>
                   </a:ext>
                 </a:extLst>
               </a:tr>
@@ -17906,7 +17920,7 @@
                 </a:tc>
                 <a:extLst>
                   <a:ext uri="smNativeData">
-                    <pr:rowheight xmlns="" xmlns:pr="smNativeData" dt="1567406597" type="min" val="1542415"/>
+                    <pr:rowheight xmlns="" xmlns:pr="smNativeData" dt="1568715298" type="min" val="1542415"/>
                   </a:ext>
                 </a:extLst>
               </a:tr>
@@ -17978,7 +17992,7 @@
                 </a:tc>
                 <a:extLst>
                   <a:ext uri="smNativeData">
-                    <pr:rowheight xmlns="" xmlns:pr="smNativeData" dt="1567406597" type="min" val="443865"/>
+                    <pr:rowheight xmlns="" xmlns:pr="smNativeData" dt="1568715298" type="min" val="443865"/>
                   </a:ext>
                 </a:extLst>
               </a:tr>
@@ -18040,7 +18054,7 @@
                 </a:tc>
                 <a:extLst>
                   <a:ext uri="smNativeData">
-                    <pr:rowheight xmlns="" xmlns:pr="smNativeData" dt="1567406597" type="min" val="142875"/>
+                    <pr:rowheight xmlns="" xmlns:pr="smNativeData" dt="1568715298" type="min" val="142875"/>
                   </a:ext>
                 </a:extLst>
               </a:tr>
@@ -18101,7 +18115,7 @@
                 </a:tc>
                 <a:extLst>
                   <a:ext uri="smNativeData">
-                    <pr:rowheight xmlns="" xmlns:pr="smNativeData" dt="1567406597" type="min" val="383540"/>
+                    <pr:rowheight xmlns="" xmlns:pr="smNativeData" dt="1568715298" type="min" val="383540"/>
                   </a:ext>
                 </a:extLst>
               </a:tr>
@@ -18115,7 +18129,7 @@
           <p:cNvSpPr>
             <a:extLst>
               <a:ext uri="smNativeData">
-                <pr:smNativeData xmlns:pr="smNativeData" val="SMDATA_13_BbpsXRMAAAAlAAAAywAAAA8BAAAAkAAAAEgAAACQAAAASAAAAAAAAAAAAAAAAAAAAAEAAABQAAAAGHAUIV061T/trHZWO6vdPwAAAAAAAOA/AAAAAAAA4D8AAAAAAADgPwAAAAAAAOA/AAAAAAAA4D8AAAAAAADgPwAAAAAAAOA/AAAAAAAA4D8CAAAAjAAAAAEAAAAAAAAASdZJAP///wgAAAAAAAAAAAAAAAAAAAAAAAAAAAAAAAAAAAAAZAAAAAEAAABAAAAAAAAAAAAAAAAAAAAAAAAAAAAAAAAAAAAAAAAAAAAAAAAAAAAAAAAAAAAAAAAAAAAAAAAAAAAAAAAAAAAAAAAAAAAAAAAAAAAAAAAAAAAAAAAAAAAAFAAAADwAAAABAAAAAAAAAB4eHgA8AAAAAQAAAAMAAAAAAAAAAAAAAAAAAAAAAAAAZAAAAGQAAAAAAAAAZAAAAGQAAAAVAAAAYAAAAAAAAAAAAAAADwAAACADAAAAAAAAAAAAAAEAAACgMgAAAAAAAAAAAAABAAAAf39/AAEAAABkAAAAAAAAABQAAABAHwAAAAAAACYAAAAAAAAAwOD//wAAAAAmAAAAZAAAABYAAABMAAAAAAAAAAAAAAAEAAAAAAAAAAEAAACAgIAKAAAAACgAAAAoAAAAZAAAAGQAAAAAAAAAzMzMAAAAAABQAAAAUAAAAGQAAABkAAAAAAAAABcAAAAUAAAAAAAAAAAAAAD/fwAA/38AAAAAAAAJAAAABAAAAAAAAAAMAAAAEAAAAAAAAAAAAAAAAAAAAAAAAAAeAAAAaAAAAAAAAAAAAAAAAAAAAAAAAAAAAAAAECcAABAnAAAAAAAAAAAAAAAAAAAAAAAAAAAAAAAAAAAAAAAAAAAAABQAAAAAAAAAwMD/AAAAAABkAAAAMgAAAAAAAABkAAAAAAAAAH9/fwAKAAAAHwAAAFQAAABJ1kkA////AQAAAAAAAAAAAAAAAAAAAAAAAAAAAAAAAAAAAAAAAAAAHh4eAH9/fwCAgIADzMzMAMDA/wB/f38AAAAAAAAAAAAAAAAAAAAAAAAAAAAhAAAAGAAAABQAAABVEAAAoxkAAN0TAAC6HAAAEAAAACYAAAAIAAAA//////////8="/>
+                <pr:smNativeData xmlns:pr="smNativeData" val="SMDATA_13_IrKAXRMAAAAlAAAAywAAAA8BAAAAkAAAAEgAAACQAAAASAAAAAAAAAAAAAAAAAAAAAEAAABQAAAAGHAUIV061T/trHZWO6vdPwAAAAAAAOA/AAAAAAAA4D8AAAAAAADgPwAAAAAAAOA/AAAAAAAA4D8AAAAAAADgPwAAAAAAAOA/AAAAAAAA4D8CAAAAjAAAAAEAAAAAAAAASdZJAP///wgAAAAAAAAAAAAAAAAAAAAAAAAAAAAAAAAAAAAAZAAAAAEAAABAAAAAAAAAAAAAAAAAAAAAAAAAAAAAAAAAAAAAAAAAAAAAAAAAAAAAAAAAAAAAAAAAAAAAAAAAAAAAAAAAAAAAAAAAAAAAAAAAAAAAAAAAAAAAAAAAAAAAFAAAADwAAAABAAAAAAAAAB4eHgA8AAAAAQAAAAMAAAAAAAAAAAAAAAAAAAAAAAAAZAAAAGQAAAAAAAAAZAAAAGQAAAAVAAAAYAAAAAAAAAAAAAAADwAAACADAAAAAAAAAAAAAAEAAACgMgAAAAAAAAAAAAABAAAAf39/AAEAAABkAAAAAAAAABQAAABAHwAAAAAAACYAAAAAAAAAwOD//wAAAAAmAAAAZAAAABYAAABMAAAAAAAAAAAAAAAEAAAAAAAAAAEAAACAgIAKAAAAACgAAAAoAAAAZAAAAGQAAAAAAAAAzMzMAAAAAABQAAAAUAAAAGQAAABkAAAAAAAAABcAAAAUAAAAAAAAAAAAAAD/fwAA/38AAAAAAAAJAAAABAAAAAAAAAAMAAAAEAAAAAAAAAAAAAAAAAAAAAAAAAAeAAAAaAAAAAAAAAAAAAAAAAAAAAAAAAAAAAAAECcAABAnAAAAAAAAAAAAAAAAAAAAAAAAAAAAAAAAAAAAAAAAAAAAABQAAAAAAAAAwMD/AAAAAABkAAAAMgAAAAAAAABkAAAAAAAAAH9/fwAKAAAAHwAAAFQAAABJ1kkA////AQAAAAAAAAAAAAAAAAAAAAAAAAAAAAAAAAAAAAAAAAAAHh4eAH9/fwCAgIADzMzMAMDA/wB/f38AAAAAAAAAAAAAAAAAAAAAAAAAAAAhAAAAGAAAABQAAABVEAAAoxkAAN0TAAC6HAAAEAAAACYAAAAIAAAA//////////8="/>
               </a:ext>
             </a:extLst>
           </p:cNvSpPr>
@@ -18152,7 +18166,7 @@
           <p:cNvSpPr>
             <a:extLst>
               <a:ext uri="smNativeData">
-                <pr:smNativeData xmlns:pr="smNativeData" val="SMDATA_13_BbpsXRMAAAAlAAAACgAAAA8BAAAAkAAAAEgAAACQAAAASAAAAAAAAAAAAAAAAAAAAAEAAABQAAAAAAAAAAAA4D8AAAAAAADgPwAAAAAAAOA/AAAAAAAA4D8AAAAAAADgPwAAAAAAAOA/AAAAAAAA4D8AAAAAAADgPwAAAAAAAOA/AAAAAAAA4D8CAAAAjAAAAAAAAAAAAAAAu+DjDP///wgAAAAAAAAAAAAAAAAAAAAAAAAAAAAAAAAAAAAAZAAAAAEAAABAAAAAAAAAAAAAAAAAAAAAAAAAAAAAAAAAAAAAAAAAAAAAAAAAAAAAAAAAAAAAAAAAAAAAAAAAAAAAAAAAAAAAAAAAAAAAAAAAAAAAAAAAAAAAAAAAAAAAFAAAADwAAAABAAAAAAAAAB4eHgBQAAAAAQAAAAQAAAAAAAAAAAAAAAAAAAAAAAAAZAAAAGQAAAACAAAAZAAAAGQAAAAVAAAAYAAAAAAAAAAAAAAADwAAACADAAAAAAAAAAAAAAEAAACgMgAAAAAAAAAAAAABAAAAf39/AAEAAABkAAAAAAAAABQAAABAHwAAAAAAACYAAAAAAAAAwOD//wAAAAAmAAAAZAAAABYAAABMAAAAAAAAAAAAAAAEAAAAAAAAAAEAAACAgIAKAAAAACgAAAAoAAAAZAAAAGQAAAAAAAAAzMzMAAAAAABQAAAAUAAAAGQAAABkAAAAAAAAABcAAAAUAAAAAAAAAAAAAAD/fwAA/38AAAAAAAAJAAAABAAAAON4AAAMAAAAEAAAAAAAAAAAAAAAAAAAAAAAAAAeAAAAaAAAAAAAAAAAAAAAAAAAAAAAAAAAAAAAECcAABAnAAAAAAAAAAAAAAAAAAAAAAAAAAAAAAAAAAAAAAAAAAAAABQAAAAAAAAAwMD/AAAAAABkAAAAMgAAAAAAAABkAAAAAAAAAH9/fwAKAAAAHwAAAFQAAAC74OMF////AQAAAAAAAAAAAAAAAAAAAAAAAAAAAAAAAAAAAAAAAAAAHh4eAH9/fwCAgIADzMzMAMDA/wB/f38AAAAAAAAAAAAAAAAAAAAAAAAAAAAhAAAAGAAAABQAAAAgHAAAjSUAADIkAACPJQAAEAAAACYAAAAIAAAA//////////8="/>
+                <pr:smNativeData xmlns:pr="smNativeData" val="SMDATA_13_IrKAXRMAAAAlAAAACgAAAA8BAAAAkAAAAEgAAACQAAAASAAAAAAAAAAAAAAAAAAAAAEAAABQAAAAAAAAAAAA4D8AAAAAAADgPwAAAAAAAOA/AAAAAAAA4D8AAAAAAADgPwAAAAAAAOA/AAAAAAAA4D8AAAAAAADgPwAAAAAAAOA/AAAAAAAA4D8CAAAAjAAAAAAAAAAAAAAAu+DjDP///wgAAAAAAAAAAAAAAAAAAAAAAAAAAAAAAAAAAAAAZAAAAAEAAABAAAAAAAAAAAAAAAAAAAAAAAAAAAAAAAAAAAAAAAAAAAAAAAAAAAAAAAAAAAAAAAAAAAAAAAAAAAAAAAAAAAAAAAAAAAAAAAAAAAAAAAAAAAAAAAAAAAAAFAAAADwAAAABAAAAAAAAAB4eHgBQAAAAAQAAAAQAAAAAAAAAAAAAAAAAAAAAAAAAZAAAAGQAAAACAAAAZAAAAGQAAAAVAAAAYAAAAAAAAAAAAAAADwAAACADAAAAAAAAAAAAAAEAAACgMgAAAAAAAAAAAAABAAAAf39/AAEAAABkAAAAAAAAABQAAABAHwAAAAAAACYAAAAAAAAAwOD//wAAAAAmAAAAZAAAABYAAABMAAAAAAAAAAAAAAAEAAAAAAAAAAEAAACAgIAKAAAAACgAAAAoAAAAZAAAAGQAAAAAAAAAzMzMAAAAAABQAAAAUAAAAGQAAABkAAAAAAAAABcAAAAUAAAAAAAAAAAAAAD/fwAA/38AAAAAAAAJAAAABAAAAON4AAAMAAAAEAAAAAAAAAAAAAAAAAAAAAAAAAAeAAAAaAAAAAAAAAAAAAAAAAAAAAAAAAAAAAAAECcAABAnAAAAAAAAAAAAAAAAAAAAAAAAAAAAAAAAAAAAAAAAAAAAABQAAAAAAAAAwMD/AAAAAABkAAAAMgAAAAAAAABkAAAAAAAAAH9/fwAKAAAAHwAAAFQAAAC74OMF////AQAAAAAAAAAAAAAAAAAAAAAAAAAAAAAAAAAAAAAAAAAAHh4eAH9/fwCAgIADzMzMAMDA/wB/f38AAAAAAAAAAAAAAAAAAAAAAAAAAAAhAAAAGAAAABQAAAAgHAAAjSUAADIkAACPJQAAEAAAACYAAAAIAAAA//////////8="/>
               </a:ext>
             </a:extLst>
           </p:cNvSpPr>
@@ -18184,7 +18198,7 @@
           <p:cNvSpPr>
             <a:extLst>
               <a:ext uri="smNativeData">
-                <pr:smNativeData xmlns:pr="smNativeData" val="SMDATA_13_BbpsXRMAAAAlAAAAZAAAAA8BAAAAkAAAAEgAAACQAAAASAAAAAAAAAAAAAAAAAAAAAEAAABQAAAAAAAAAAAA4D8AAAAAAADgPwAAAAAAAOA/AAAAAAAA4D8AAAAAAADgPwAAAAAAAOA/AAAAAAAA4D8AAAAAAADgPwAAAAAAAOA/AAAAAAAA4D8CAAAAjAAAAAEAAAAAAAAA/7oXAP///wgAAAAAAAAAAAAAAAAAAAAAAAAAAAAAAAAAAAAAZAAAAAEAAABAAAAAAAAAAAAAAAAAAAAAAAAAAAAAAAAAAAAAAAAAAAAAAAAAAAAAAAAAAAAAAAAAAAAAAAAAAAAAAAAAAAAAAAAAAAAAAAAAAAAAAAAAAAAAAAAAAAAAFAAAADwAAAABAAAAAAAAAB4eHgA8AAAAAQAAAAMAAAAAAAAAAAAAAAAAAAAAAAAAZAAAAGQAAAAAAAAAZAAAAGQAAAAVAAAAYAAAAAAAAAAAAAAADwAAACADAAAAAAAAAAAAAAEAAACgMgAAAAAAAAAAAAABAAAAf39/AAEAAABkAAAAAAAAABQAAABAHwAAAAAAACYAAAAAAAAAwOD//wAAAAAmAAAAZAAAABYAAABMAAAAAAAAAAAAAAAEAAAAAAAAAAEAAACAgIAKAAAAACgAAAAoAAAAZAAAAGQAAAAAAAAAzMzMAAAAAABQAAAAUAAAAGQAAABkAAAAAAAAABcAAAAUAAAAAAAAAAAAAAD/fwAA/38AAAAAAAAJAAAABAAAAGDhLQ0MAAAAEAAAAAAAAAAAAAAAAAAAAAAAAAAeAAAAaAAAAAAAAAAAAAAAAAAAAAAAAAAAAAAAECcAABAnAAAAAAAAAAAAAAAAAAAAAAAAAAAAAAAAAAAAAAAAAAAAABQAAAAAAAAAwMD/AAAAAABkAAAAMgAAAAAAAABkAAAAAAAAAH9/fwAKAAAAHwAAAFQAAAD/uhcA////AQAAAAAAAAAAAAAAAAAAAAAAAAAAAAAAAAAAAAAAAAAAHh4eAH9/fwCAgIADzMzMAMDA/wB/f38AAAAAAAAAAAAAAAAAAAAAAAAAAAAhAAAAGAAAABQAAAAMJQAAIyQAADQzAAAcKAAAEAAAACYAAAAIAAAA//////////8="/>
+                <pr:smNativeData xmlns:pr="smNativeData" val="SMDATA_13_IrKAXRMAAAAlAAAAZAAAAA8BAAAAkAAAAEgAAACQAAAASAAAAAAAAAAAAAAAAAAAAAEAAABQAAAAAAAAAAAA4D8AAAAAAADgPwAAAAAAAOA/AAAAAAAA4D8AAAAAAADgPwAAAAAAAOA/AAAAAAAA4D8AAAAAAADgPwAAAAAAAOA/AAAAAAAA4D8CAAAAjAAAAAEAAAAAAAAA/7oXAP///wgAAAAAAAAAAAAAAAAAAAAAAAAAAAAAAAAAAAAAZAAAAAEAAABAAAAAAAAAAAAAAAAAAAAAAAAAAAAAAAAAAAAAAAAAAAAAAAAAAAAAAAAAAAAAAAAAAAAAAAAAAAAAAAAAAAAAAAAAAAAAAAAAAAAAAAAAAAAAAAAAAAAAFAAAADwAAAABAAAAAAAAAB4eHgA8AAAAAQAAAAMAAAAAAAAAAAAAAAAAAAAAAAAAZAAAAGQAAAAAAAAAZAAAAGQAAAAVAAAAYAAAAAAAAAAAAAAADwAAACADAAAAAAAAAAAAAAEAAACgMgAAAAAAAAAAAAABAAAAf39/AAEAAABkAAAAAAAAABQAAABAHwAAAAAAACYAAAAAAAAAwOD//wAAAAAmAAAAZAAAABYAAABMAAAAAAAAAAAAAAAEAAAAAAAAAAEAAACAgIAKAAAAACgAAAAoAAAAZAAAAGQAAAAAAAAAzMzMAAAAAABQAAAAUAAAAGQAAABkAAAAAAAAABcAAAAUAAAAAAAAAAAAAAD/fwAA/38AAAAAAAAJAAAABAAAAGDhLQ0MAAAAEAAAAAAAAAAAAAAAAAAAAAAAAAAeAAAAaAAAAAAAAAAAAAAAAAAAAAAAAAAAAAAAECcAABAnAAAAAAAAAAAAAAAAAAAAAAAAAAAAAAAAAAAAAAAAAAAAABQAAAAAAAAAwMD/AAAAAABkAAAAMgAAAAAAAABkAAAAAAAAAH9/fwAKAAAAHwAAAFQAAAD/uhcA////AQAAAAAAAAAAAAAAAAAAAAAAAAAAAAAAAAAAAAAAAAAAHh4eAH9/fwCAgIADzMzMAMDA/wB/f38AAAAAAAAAAAAAAAAAAAAAAAAAAAAhAAAAGAAAABQAAAAMJQAAIyQAADQzAAAcKAAAEAAAACYAAAAIAAAA//////////8="/>
               </a:ext>
             </a:extLst>
           </p:cNvSpPr>
@@ -18218,7 +18232,7 @@
           <p:cNvSpPr txBox="1">
             <a:extLst>
               <a:ext uri="smNativeData">
-                <pr:smNativeData xmlns:pr="smNativeData" val="SMDATA_13_BbpsXRMAAAAlAAAAEgAAAE8BAAAAkAAAAEgAAACQAAAASAAAAAAAAAAAAAAAAAAAAAEAAABQAAAAAAAAAAAA4D8AAAAAAADgPwAAAAAAAOA/AAAAAAAA4D8AAAAAAADgPwAAAAAAAOA/AAAAAAAA4D8AAAAAAADgPwAAAAAAAOA/AAAAAAAA4D8CAAAAjAAAAAAAAAAAAAAAu+DjDP///wgAAAAAAAAAAAAAAAAAAAAAAAAAAAAAAAAAAAAAZAAAAAEAAABAAAAAAAAAAAAAAAAAAAAAAAAAAAAAAAAAAAAAAAAAAAAAAAAAAAAAAAAAAAAAAAAAAAAAAAAAAAAAAAAAAAAAAAAAAAAAAAAAAAAAAAAAAAAAAAAAAAAAFAAAADwAAAAAAAAAAAAAAAAAAAkUAAAAAQAAABQAAAAUAAAAFAAAAAEAAAAAAAAAZAAAAGQAAAAAAAAAZAAAAGQAAAAVAAAAYAAAAAAAAAAAAAAADwAAACADAAAAAAAAAAAAAAEAAACgMgAAVgcAAKr4//8BAAAAf39/AAEAAABkAAAAAAAAABQAAABAHwAAAAAAACYAAAAAAAAAwOD//wAAAAAmAAAAZAAAABYAAABMAAAAAAAAAAAAAAAEAAAAAAAAAAEAAACAgIAKAAAAACgAAAAoAAAAZAAAAGQAAAAAAAAAzMzMAAAAAABQAAAAUAAAAGQAAABkAAAAAAAAABcAAAAUAAAAAAAAANwIAAD/fwAA/38AAAAAAAAJAAAABAAAAAAAAAAMAAAAEAAAAAAAAAAAAAAAAAAAAAAAAAAeAAAAaAAAAAAAAAAAAAAAAAAAAAAAAAAAAAAAECcAABAnAAAAAAAAAAAAAAAAAAAAAAAAAAAAAAAAAAAAAAAAAAAAABQAAAAAAAAAwMD/AAAAAABkAAAAMgAAAAAAAABkAAAAAAAAAH9/fwAKAAAAHwAAAFQAAAC74OMF////AQAAAAAAAAAAAAAAAAAAAAAAAAAAAAAAAAAAAAAAAAAAAAAAAn9/fwCAgIADzMzMAMDA/wB/f38AAAAAAAAAAAAAAAAAAAAAAAAAAAAhAAAAGAAAABQAAADcJQAAHSUAAKkyAACNJwAAECAAACYAAAAIAAAA//////////8="/>
+                <pr:smNativeData xmlns:pr="smNativeData" val="SMDATA_13_IrKAXRMAAAAlAAAAEgAAAE8BAAAAkAAAAEgAAACQAAAASAAAAAAAAAAAAAAAAAAAAAEAAABQAAAAAAAAAAAA4D8AAAAAAADgPwAAAAAAAOA/AAAAAAAA4D8AAAAAAADgPwAAAAAAAOA/AAAAAAAA4D8AAAAAAADgPwAAAAAAAOA/AAAAAAAA4D8CAAAAjAAAAAAAAAAAAAAAu+DjDP///wgAAAAAAAAAAAAAAAAAAAAAAAAAAAAAAAAAAAAAZAAAAAEAAABAAAAAAAAAAAAAAAAAAAAAAAAAAAAAAAAAAAAAAAAAAAAAAAAAAAAAAAAAAAAAAAAAAAAAAAAAAAAAAAAAAAAAAAAAAAAAAAAAAAAAAAAAAAAAAAAAAAAAFAAAADwAAAAAAAAAAAAAAAAAAAkUAAAAAQAAABQAAAAUAAAAFAAAAAEAAAAAAAAAZAAAAGQAAAAAAAAAZAAAAGQAAAAVAAAAYAAAAAAAAAAAAAAADwAAACADAAAAAAAAAAAAAAEAAACgMgAAVgcAAKr4//8BAAAAf39/AAEAAABkAAAAAAAAABQAAABAHwAAAAAAACYAAAAAAAAAwOD//wAAAAAmAAAAZAAAABYAAABMAAAAAAAAAAAAAAAEAAAAAAAAAAEAAACAgIAKAAAAACgAAAAoAAAAZAAAAGQAAAAAAAAAzMzMAAAAAABQAAAAUAAAAGQAAABkAAAAAAAAABcAAAAUAAAAAAAAANwIAAD/fwAA/38AAAAAAAAJAAAABAAAAAAAAAAMAAAAEAAAAAAAAAAAAAAAAAAAAAAAAAAeAAAAaAAAAAAAAAAAAAAAAAAAAAAAAAAAAAAAECcAABAnAAAAAAAAAAAAAAAAAAAAAAAAAAAAAAAAAAAAAAAAAAAAABQAAAAAAAAAwMD/AAAAAABkAAAAMgAAAAAAAABkAAAAAAAAAH9/fwAKAAAAHwAAAFQAAAC74OMF////AQAAAAAAAAAAAAAAAAAAAAAAAAAAAAAAAAAAAAAAAAAAAAAAAn9/fwCAgIADzMzMAMDA/wB/f38AAAAAAAAAAAAAAAAAAAAAAAAAAAAhAAAAGAAAABQAAADcJQAAHSUAAKkyAACNJwAAECAAACYAAAAIAAAA//////////8="/>
               </a:ext>
             </a:extLst>
           </p:cNvSpPr>
@@ -18266,7 +18280,7 @@
           <p:cNvSpPr txBox="1">
             <a:extLst>
               <a:ext uri="smNativeData">
-                <pr:smNativeData xmlns:pr="smNativeData" val="SMDATA_13_BbpsXRMAAAAlAAAAEgAAAE8BAAAAkAAAAEgAAACQAAAASAAAAAAAAAAAAAAAAAAAAAEAAABQAAAAAAAAAAAA4D8AAAAAAADgPwAAAAAAAOA/AAAAAAAA4D8AAAAAAADgPwAAAAAAAOA/AAAAAAAA4D8AAAAAAADgPwAAAAAAAOA/AAAAAAAA4D8CAAAAjAAAAAAAAAAAAAAAu+DjDP///wgAAAAAAAAAAAAAAAAAAAAAAAAAAAAAAAAAAAAAZAAAAAEAAABAAAAAAAAAAAAAAAAAAAAAAAAAAAAAAAAAAAAAAAAAAAAAAAAAAAAAAAAAAAAAAAAAAAAAAAAAAAAAAAAAAAAAAAAAAAAAAAAAAAAAAAAAAAAAAAAAAAAAFAAAADwAAAAAAAAAAAAAAAAAAAkUAAAAAQAAABQAAAAUAAAAFAAAAAEAAAAAAAAAZAAAAGQAAAAAAAAAZAAAAGQAAAAVAAAAYAAAAAAAAAAAAAAADwAAACADAAAAAAAAAAAAAAEAAACgMgAAVgcAAKr4//8BAAAAf39/AAEAAABkAAAAAAAAABQAAABAHwAAAAAAACYAAAAAAAAAwOD//wAAAAAmAAAAZAAAABYAAABMAAAAAAAAAAAAAAAEAAAAAAAAAAEAAACAgIAKAAAAACgAAAAoAAAAZAAAAGQAAAAAAAAAzMzMAAAAAABQAAAAUAAAAGQAAABkAAAAAAAAABcAAAAUAAAAAAAAANwIAAD/fwAA/38AAAAAAAAJAAAABAAAAAAAAAAMAAAAEAAAAAAAAAAAAAAAAAAAAAAAAAAeAAAAaAAAAAAAAAAAAAAAAAAAAAAAAAAAAAAAECcAABAnAAAAAAAAAAAAAAAAAAAAAAAAAAAAAAAAAAAAAAAAAAAAABQAAAAAAAAAwMD/AAAAAABkAAAAMgAAAAAAAABkAAAAAAAAAH9/fwAKAAAAHwAAAFQAAAC74OMF////AQAAAAAAAAAAAAAAAAAAAAAAAAAAAAAAAAAAAAAAAAAAAAAAAn9/fwCAgIADzMzMAMDA/wB/f38AAAAAAAAAAAAAAAAAAAAAAAAAAAAhAAAAGAAAABQAAAANKQAAFBoAAEMvAACEHAAAECAAACYAAAAIAAAA//////////8="/>
+                <pr:smNativeData xmlns:pr="smNativeData" val="SMDATA_13_IrKAXRMAAAAlAAAAEgAAAE8BAAAAkAAAAEgAAACQAAAASAAAAAAAAAAAAAAAAAAAAAEAAABQAAAAAAAAAAAA4D8AAAAAAADgPwAAAAAAAOA/AAAAAAAA4D8AAAAAAADgPwAAAAAAAOA/AAAAAAAA4D8AAAAAAADgPwAAAAAAAOA/AAAAAAAA4D8CAAAAjAAAAAAAAAAAAAAAu+DjDP///wgAAAAAAAAAAAAAAAAAAAAAAAAAAAAAAAAAAAAAZAAAAAEAAABAAAAAAAAAAAAAAAAAAAAAAAAAAAAAAAAAAAAAAAAAAAAAAAAAAAAAAAAAAAAAAAAAAAAAAAAAAAAAAAAAAAAAAAAAAAAAAAAAAAAAAAAAAAAAAAAAAAAAFAAAADwAAAAAAAAAAAAAAAAAAAkUAAAAAQAAABQAAAAUAAAAFAAAAAEAAAAAAAAAZAAAAGQAAAAAAAAAZAAAAGQAAAAVAAAAYAAAAAAAAAAAAAAADwAAACADAAAAAAAAAAAAAAEAAACgMgAAVgcAAKr4//8BAAAAf39/AAEAAABkAAAAAAAAABQAAABAHwAAAAAAACYAAAAAAAAAwOD//wAAAAAmAAAAZAAAABYAAABMAAAAAAAAAAAAAAAEAAAAAAAAAAEAAACAgIAKAAAAACgAAAAoAAAAZAAAAGQAAAAAAAAAzMzMAAAAAABQAAAAUAAAAGQAAABkAAAAAAAAABcAAAAUAAAAAAAAANwIAAD/fwAA/38AAAAAAAAJAAAABAAAAAAAAAAMAAAAEAAAAAAAAAAAAAAAAAAAAAAAAAAeAAAAaAAAAAAAAAAAAAAAAAAAAAAAAAAAAAAAECcAABAnAAAAAAAAAAAAAAAAAAAAAAAAAAAAAAAAAAAAAAAAAAAAABQAAAAAAAAAwMD/AAAAAABkAAAAMgAAAAAAAABkAAAAAAAAAH9/fwAKAAAAHwAAAFQAAAC74OMF////AQAAAAAAAAAAAAAAAAAAAAAAAAAAAAAAAAAAAAAAAAAAAAAAAn9/fwCAgIADzMzMAMDA/wB/f38AAAAAAAAAAAAAAAAAAAAAAAAAAAAhAAAAGAAAABQAAAANKQAAFBoAAEMvAACEHAAAECAAACYAAAAIAAAA//////////8="/>
               </a:ext>
             </a:extLst>
           </p:cNvSpPr>
@@ -18314,7 +18328,7 @@
           <p:cNvSpPr>
             <a:extLst>
               <a:ext uri="smNativeData">
-                <pr:smNativeData xmlns:pr="smNativeData" val="SMDATA_13_BbpsXRMAAAAlAAAACgAAAA8BAAAAkAAAAEgAAACQAAAASAAAAAAAAAAAAAAAAAAAAAEAAABQAAAAAAAAAAAA4D8AAAAAAADgPwAAAAAAAOA/AAAAAAAA4D8AAAAAAADgPwAAAAAAAOA/AAAAAAAA4D8AAAAAAADgPwAAAAAAAOA/AAAAAAAA4D8CAAAAjAAAAAAAAAAAAAAAu+DjDP///wgAAAAAAAAAAAAAAAAAAAAAAAAAAAAAAAAAAAAAZAAAAAEAAABAAAAAAAAAAAAAAAAAAAAAAAAAAAAAAAAAAAAAAAAAAAAAAAAAAAAAAAAAAAAAAAAAAAAAAAAAAAAAAAAAAAAAAAAAAAAAAAAAAAAAAAAAAAAAAAAAAAAAFAAAADwAAAABAAAAAAAAAB4eHgBQAAAAAQAAAAQAAAAAAAAAAAAAAAAAAAAAAAAAZAAAAGQAAAACAAAAZAAAAGQAAAAVAAAAYAAAAAAAAAAAAAAADwAAACADAAAAAAAAAAAAAAEAAACgMgAAAAAAAAAAAAABAAAAf39/AAEAAABkAAAAAAAAABQAAABAHwAAAAAAACYAAAAAAAAAwOD//wAAAAAmAAAAZAAAABYAAABMAAAAAAAAAAAAAAAEAAAAAAAAAAEAAACAgIAKAAAAACgAAAAoAAAAZAAAAGQAAAAAAAAAzMzMAAAAAABQAAAAUAAAAGQAAABkAAAAAAAAABcAAAAUAAAAAAAAAAAAAAD/fwAA/38AAAAAAAAJAAAABAAAAAAAAAAMAAAAEAAAAAAAAAAAAAAAAAAAAAAAAAAeAAAAaAAAAAAAAAAAAAAAAAAAAAAAAAAAAAAAECcAABAnAAAAAAAAAAAAAAAAAAAAAAAAAAAAAAAAAAAAAAAAAAAAABQAAAAAAAAAwMD/AAAAAABkAAAAMgAAAAAAAABkAAAAAAAAAH9/fwAKAAAAHwAAAFQAAAC74OMF////AQAAAAAAAAAAAAAAAAAAAAAAAAAAAAAAAAAAAAAAAAAAHh4eAH9/fwCAgIADzMzMAMDA/wB/f38AAAAAAAAAAAAAAAAAAAAAAAAAAAAhAAAAGAAAABQAAAArLAAAKx0AAC0sAADKIwAAEAAAACYAAAAIAAAA//////////8="/>
+                <pr:smNativeData xmlns:pr="smNativeData" val="SMDATA_13_IrKAXRMAAAAlAAAACgAAAA8BAAAAkAAAAEgAAACQAAAASAAAAAAAAAAAAAAAAAAAAAEAAABQAAAAAAAAAAAA4D8AAAAAAADgPwAAAAAAAOA/AAAAAAAA4D8AAAAAAADgPwAAAAAAAOA/AAAAAAAA4D8AAAAAAADgPwAAAAAAAOA/AAAAAAAA4D8CAAAAjAAAAAAAAAAAAAAAu+DjDP///wgAAAAAAAAAAAAAAAAAAAAAAAAAAAAAAAAAAAAAZAAAAAEAAABAAAAAAAAAAAAAAAAAAAAAAAAAAAAAAAAAAAAAAAAAAAAAAAAAAAAAAAAAAAAAAAAAAAAAAAAAAAAAAAAAAAAAAAAAAAAAAAAAAAAAAAAAAAAAAAAAAAAAFAAAADwAAAABAAAAAAAAAB4eHgBQAAAAAQAAAAQAAAAAAAAAAAAAAAAAAAAAAAAAZAAAAGQAAAACAAAAZAAAAGQAAAAVAAAAYAAAAAAAAAAAAAAADwAAACADAAAAAAAAAAAAAAEAAACgMgAAAAAAAAAAAAABAAAAf39/AAEAAABkAAAAAAAAABQAAABAHwAAAAAAACYAAAAAAAAAwOD//wAAAAAmAAAAZAAAABYAAABMAAAAAAAAAAAAAAAEAAAAAAAAAAEAAACAgIAKAAAAACgAAAAoAAAAZAAAAGQAAAAAAAAAzMzMAAAAAABQAAAAUAAAAGQAAABkAAAAAAAAABcAAAAUAAAAAAAAAAAAAAD/fwAA/38AAAAAAAAJAAAABAAAAAAAAAAMAAAAEAAAAAAAAAAAAAAAAAAAAAAAAAAeAAAAaAAAAAAAAAAAAAAAAAAAAAAAAAAAAAAAECcAABAnAAAAAAAAAAAAAAAAAAAAAAAAAAAAAAAAAAAAAAAAAAAAABQAAAAAAAAAwMD/AAAAAABkAAAAMgAAAAAAAABkAAAAAAAAAH9/fwAKAAAAHwAAAFQAAAC74OMF////AQAAAAAAAAAAAAAAAAAAAAAAAAAAAAAAAAAAAAAAAAAAHh4eAH9/fwCAgIADzMzMAMDA/wB/f38AAAAAAAAAAAAAAAAAAAAAAAAAAAAhAAAAGAAAABQAAAArLAAAKx0AAC0sAADKIwAAEAAAACYAAAAIAAAA//////////8="/>
               </a:ext>
             </a:extLst>
           </p:cNvSpPr>
@@ -18346,7 +18360,7 @@
           <p:cNvSpPr txBox="1">
             <a:extLst>
               <a:ext uri="smNativeData">
-                <pr:smNativeData xmlns:pr="smNativeData" val="SMDATA_13_BbpsXRMAAAAlAAAAEgAAAE8BAAAAkAAAAEgAAACQAAAASAAAAAAAAAAAAAAAAAAAAAEAAABQAAAAAAAAAAAA4D8AAAAAAADgPwAAAAAAAOA/AAAAAAAA4D8AAAAAAADgPwAAAAAAAOA/AAAAAAAA4D8AAAAAAADgPwAAAAAAAOA/AAAAAAAA4D8CAAAAjAAAAAAAAAAAAAAAu+DjDP///wgAAAAAAAAAAAAAAAAAAAAAAAAAAAAAAAAAAAAAZAAAAAEAAABAAAAAAAAAAAAAAAAAAAAAAAAAAAAAAAAAAAAAAAAAAAAAAAAAAAAAAAAAAAAAAAAAAAAAAAAAAAAAAAAAAAAAAAAAAAAAAAAAAAAAAAAAAAAAAAAAAAAAFAAAADwAAAAAAAAAAAAAAAAAAAkUAAAAAQAAABQAAAAUAAAAFAAAAAEAAAAAAAAAZAAAAGQAAAAAAAAAZAAAAGQAAAAVAAAAYAAAAAAAAAAAAAAADwAAACADAAAAAAAAAAAAAAEAAACgMgAAVgcAAKr4//8BAAAAf39/AAEAAABkAAAAAAAAABQAAABAHwAAAAAAACYAAAAAAAAAwOD//wAAAAAmAAAAZAAAABYAAABMAAAAAAAAAAAAAAAEAAAAAAAAAAEAAACAgIAKAAAAACgAAAAoAAAAZAAAAGQAAAAAAAAAzMzMAAAAAABQAAAAUAAAAGQAAABkAAAAAAAAABcAAAAUAAAAAAAAANwIAAD/fwAA/38AAAAAAAAJAAAABAAAAAAAAAAMAAAAEAAAAAAAAAAAAAAAAAAAAAAAAAAeAAAAaAAAAAAAAAAAAAAAAAAAAAAAAAAAAAAAECcAABAnAAAAAAAAAAAAAAAAAAAAAAAAAAAAAAAAAAAAAAAAAAAAABQAAAAAAAAAwMD/AAAAAABkAAAAMgAAAAAAAABkAAAAAAAAAH9/fwAKAAAAHwAAAFQAAAC74OMF////AQAAAAAAAAAAAAAAAAAAAAAAAAAAAAAAAAAAAAAAAAAAAAAAAn9/fwCAgIADzMzMAMDA/wB/f38AAAAAAAAAAAAAAAAAAAAAAAAAAAAhAAAAGAAAABQAAAA4HAAATiMAADkgAACOJQAAECAAACYAAAAIAAAA//////////8="/>
+                <pr:smNativeData xmlns:pr="smNativeData" val="SMDATA_13_IrKAXRMAAAAlAAAAEgAAAE8BAAAAkAAAAEgAAACQAAAASAAAAAAAAAAAAAAAAAAAAAEAAABQAAAAAAAAAAAA4D8AAAAAAADgPwAAAAAAAOA/AAAAAAAA4D8AAAAAAADgPwAAAAAAAOA/AAAAAAAA4D8AAAAAAADgPwAAAAAAAOA/AAAAAAAA4D8CAAAAjAAAAAAAAAAAAAAAu+DjDP///wgAAAAAAAAAAAAAAAAAAAAAAAAAAAAAAAAAAAAAZAAAAAEAAABAAAAAAAAAAAAAAAAAAAAAAAAAAAAAAAAAAAAAAAAAAAAAAAAAAAAAAAAAAAAAAAAAAAAAAAAAAAAAAAAAAAAAAAAAAAAAAAAAAAAAAAAAAAAAAAAAAAAAFAAAADwAAAAAAAAAAAAAAAAAAAkUAAAAAQAAABQAAAAUAAAAFAAAAAEAAAAAAAAAZAAAAGQAAAAAAAAAZAAAAGQAAAAVAAAAYAAAAAAAAAAAAAAADwAAACADAAAAAAAAAAAAAAEAAACgMgAAVgcAAKr4//8BAAAAf39/AAEAAABkAAAAAAAAABQAAABAHwAAAAAAACYAAAAAAAAAwOD//wAAAAAmAAAAZAAAABYAAABMAAAAAAAAAAAAAAAEAAAAAAAAAAEAAACAgIAKAAAAACgAAAAoAAAAZAAAAGQAAAAAAAAAzMzMAAAAAABQAAAAUAAAAGQAAABkAAAAAAAAABcAAAAUAAAAAAAAANwIAAD/fwAA/38AAAAAAAAJAAAABAAAAAAAAAAMAAAAEAAAAAAAAAAAAAAAAAAAAAAAAAAeAAAAaAAAAAAAAAAAAAAAAAAAAAAAAAAAAAAAECcAABAnAAAAAAAAAAAAAAAAAAAAAAAAAAAAAAAAAAAAAAAAAAAAABQAAAAAAAAAwMD/AAAAAABkAAAAMgAAAAAAAABkAAAAAAAAAH9/fwAKAAAAHwAAAFQAAAC74OMF////AQAAAAAAAAAAAAAAAAAAAAAAAAAAAAAAAAAAAAAAAAAAAAAAAn9/fwCAgIADzMzMAMDA/wB/f38AAAAAAAAAAAAAAAAAAAAAAAAAAAAhAAAAGAAAABQAAAA4HAAATiMAADkgAACOJQAAECAAACYAAAAIAAAA//////////8="/>
               </a:ext>
             </a:extLst>
           </p:cNvSpPr>
@@ -18392,7 +18406,7 @@
           <p:cNvSpPr>
             <a:extLst>
               <a:ext uri="smNativeData">
-                <pr:smNativeData xmlns:pr="smNativeData" val="SMDATA_13_BbpsXRMAAAAlAAAAZAAAAA8BAAAAkAAAAEgAAACQAAAASAAAAAAAAAAAAAAAAAAAAAEAAABQAAAAAAAAAAAA4D8AAAAAAADgPwAAAAAAAOA/AAAAAAAA4D8AAAAAAADgPwAAAAAAAOA/AAAAAAAA4D8AAAAAAADgPwAAAAAAAOA/AAAAAAAA4D8CAAAAjAAAAAEAAAAAAAAAHh4eAP///wgAAAAAAAAAAAAAAAAAAAAAAAAAAAAAAAAAAAAAZAAAAAEAAABAAAAAAAAAAAAAAAAAAAAAAAAAAAAAAAAAAAAAAAAAAAAAAAAAAAAAAAAAAAAAAAAAAAAAAAAAAAAAAAAAAAAAAAAAAAAAAAAAAAAAAAAAAAAAAAAAAAAAFAAAADwAAAAAAAAAAAAAAAAAAAkAAAAAAQAAAAAAAAAAAAAAAAAAAAAAAAAAAAAAZAAAAGQAAAAAAAAAZAAAAGQAAAAVAAAAYAAAAAAAAAAAAAAADwAAACADAAAAAAAAAAAAAAEAAACgMgAAAAAAAAAAAAABAAAAf39/AAEAAABkAAAAAAAAABQAAABAHwAAAAAAACYAAAAAAAAAwOD//wAAAAAmAAAAZAAAABYAAABMAAAAAAAAAAAAAAAEAAAAAAAAAAEAAACAgIAKAAAAACgAAAAoAAAAZAAAAGQAAAAAAAAAzMzMAAAAAABQAAAAUAAAAGQAAABkAAAAAAAAABcAAAAUAAAAAAAAAAAAAAD/fwAA/38AAAAAAAAJAAAABAAAAGNOdlMMAAAAEAAAAAAAAAAAAAAAAAAAAAAAAAAeAAAAaAAAAAAAAAAAAAAAAAAAAAAAAAAAAAAAECcAABAnAAAAAAAAAAAAAAAAAAAAAAAAAAAAAAAAAAAAAAAAAAAAABQAAAAAAAAAwMD/AAAAAABkAAAAMgAAAAAAAABkAAAAAAAAAH9/fwAKAAAAHwAAAFQAAAAeHh4A////AQAAAAAAAAAAAAAAAAAAAAAAAAAAAAAAAAAAAAAAAAAAAAAAAn9/fwCAgIADzMzMAMDA/wB/f38AAAAAAAAAAAAAAAAAAAAAAAAAAAAhAAAAGAAAABQAAAAAAAAAZQcAAEA4AAC4CAAAEAAAACYAAAAIAAAA//////////8="/>
+                <pr:smNativeData xmlns:pr="smNativeData" val="SMDATA_13_IrKAXRMAAAAlAAAAZAAAAA8BAAAAkAAAAEgAAACQAAAASAAAAAAAAAAAAAAAAAAAAAEAAABQAAAAAAAAAAAA4D8AAAAAAADgPwAAAAAAAOA/AAAAAAAA4D8AAAAAAADgPwAAAAAAAOA/AAAAAAAA4D8AAAAAAADgPwAAAAAAAOA/AAAAAAAA4D8CAAAAjAAAAAEAAAAAAAAAHh4eAP///wgAAAAAAAAAAAAAAAAAAAAAAAAAAAAAAAAAAAAAZAAAAAEAAABAAAAAAAAAAAAAAAAAAAAAAAAAAAAAAAAAAAAAAAAAAAAAAAAAAAAAAAAAAAAAAAAAAAAAAAAAAAAAAAAAAAAAAAAAAAAAAAAAAAAAAAAAAAAAAAAAAAAAFAAAADwAAAAAAAAAAAAAAAAAAAkAAAAAAQAAAAAAAAAAAAAAAAAAAAAAAAAAAAAAZAAAAGQAAAAAAAAAZAAAAGQAAAAVAAAAYAAAAAAAAAAAAAAADwAAACADAAAAAAAAAAAAAAEAAACgMgAAAAAAAAAAAAABAAAAf39/AAEAAABkAAAAAAAAABQAAABAHwAAAAAAACYAAAAAAAAAwOD//wAAAAAmAAAAZAAAABYAAABMAAAAAAAAAAAAAAAEAAAAAAAAAAEAAACAgIAKAAAAACgAAAAoAAAAZAAAAGQAAAAAAAAAzMzMAAAAAABQAAAAUAAAAGQAAABkAAAAAAAAABcAAAAUAAAAAAAAAAAAAAD/fwAA/38AAAAAAAAJAAAABAAAAGNOdlMMAAAAEAAAAAAAAAAAAAAAAAAAAAAAAAAeAAAAaAAAAAAAAAAAAAAAAAAAAAAAAAAAAAAAECcAABAnAAAAAAAAAAAAAAAAAAAAAAAAAAAAAAAAAAAAAAAAAAAAABQAAAAAAAAAwMD/AAAAAABkAAAAMgAAAAAAAABkAAAAAAAAAH9/fwAKAAAAHwAAAFQAAAAeHh4A////AQAAAAAAAAAAAAAAAAAAAAAAAAAAAAAAAAAAAAAAAAAAAAAAAn9/fwCAgIADzMzMAMDA/wB/f38AAAAAAAAAAAAAAAAAAAAAAAAAAAAhAAAAGAAAABQAAAAAAAAAZQcAAEA4AAC4CAAAEAAAACYAAAAIAAAA//////////8="/>
               </a:ext>
             </a:extLst>
           </p:cNvSpPr>
@@ -18461,7 +18475,7 @@
           <p:cNvSpPr>
             <a:extLst>
               <a:ext uri="smNativeData">
-                <pr:smNativeData xmlns:pr="smNativeData" val="SMDATA_13_BbpsXRMAAAAlAAAAZAAAAA8BAAAAkAAAAEgAAACQAAAASAAAAAAAAAABAAAAAAAAAAEAAABQAAAAAAAAAAAA4D8AAAAAAADgPwAAAAAAAOA/AAAAAAAA4D8AAAAAAADgPwAAAAAAAOA/AAAAAAAA4D8AAAAAAADgPwAAAAAAAOA/AAAAAAAA4D8CAAAAjAAAAAAAAAAAAAAAu+DjDP///wgAAAAAAAAAAAAAAAAAAAAAAAAAAAAAAAAAAAAAZAAAAAEAAABAAAAAAAAAAAAAAAAAAAAAAAAAAAAAAAAAAAAAAAAAAAAAAAAAAAAAAAAAAAAAAAAAAAAAAAAAAAAAAAAAAAAAAAAAAAAAAAAAAAAAAAAAAAAAAAAAAAAAFAAAADwAAAAAAAAAAAAAAAAAAAkUAAAAAQAAABQAAAAUAAAAFAAAAAEAAAAAAAAAZAAAAGQAAAAAAAAAZAAAAGQAAAAVAAAAYAAAAAAAAAAAAAAADwAAACADAAAAAAAAAAAAAAEAAACgMgAAVgcAAKr4//8BAAAAf39/AAEAAABkAAAAAAAAABQAAABAHwAAAAAAACYAAAAAAAAAwOD//wAAAAAmAAAAZAAAABYAAABMAAAAAAAAAAAAAAAEAAAAAAAAAAEAAACAgIAKAAAAACgAAAAoAAAAZAAAAGQAAAAAAAAAzMzMAAAAAABQAAAAUAAAAGQAAABkAAAAAAAAABcAAAAUAAAAAAAAAAAAAAD/fwAA/38AAAAAAAAJAAAABAAAAAAAAAAMAAAAEAAAAAAAAAAAAAAAAAAAAAAAAAAeAAAAaAAAAAAAAAAAAAAAAAAAAAAAAAAAAAAAECcAABAnAAAAAAAAAAAAAAAAAAAAAAAAAAAAAAAAAAAAAAAAAAAAABQAAAAAAAAAwMD/AAAAAABkAAAAMgAAAAAAAABkAAAAAAAAAH9/fwAKAAAAHwAAAFQAAAC74OMF////AQAAAAAAAAAAAAAAAAAAAAAAAAAAAAAAAAAAAAAAAAAAAAAAAn9/fwCAgIADzMzMAMDA/wB/f38AAAAAAAAAAAAAAAAAAAAAAAAAAAAhAAAAGAAAABQAAABqBAAAiAMAABY0AAAoBwAAEAAAACYAAAAIAAAA//////////8="/>
+                <pr:smNativeData xmlns:pr="smNativeData" val="SMDATA_13_IrKAXRMAAAAlAAAAZAAAAA8BAAAAkAAAAEgAAACQAAAASAAAAAAAAAABAAAAAAAAAAEAAABQAAAAAAAAAAAA4D8AAAAAAADgPwAAAAAAAOA/AAAAAAAA4D8AAAAAAADgPwAAAAAAAOA/AAAAAAAA4D8AAAAAAADgPwAAAAAAAOA/AAAAAAAA4D8CAAAAjAAAAAAAAAAAAAAAu+DjDP///wgAAAAAAAAAAAAAAAAAAAAAAAAAAAAAAAAAAAAAZAAAAAEAAABAAAAAAAAAAAAAAAAAAAAAAAAAAAAAAAAAAAAAAAAAAAAAAAAAAAAAAAAAAAAAAAAAAAAAAAAAAAAAAAAAAAAAAAAAAAAAAAAAAAAAAAAAAAAAAAAAAAAAFAAAADwAAAAAAAAAAAAAAAAAAAkUAAAAAQAAABQAAAAUAAAAFAAAAAEAAAAAAAAAZAAAAGQAAAAAAAAAZAAAAGQAAAAVAAAAYAAAAAAAAAAAAAAADwAAACADAAAAAAAAAAAAAAEAAACgMgAAVgcAAKr4//8BAAAAf39/AAEAAABkAAAAAAAAABQAAABAHwAAAAAAACYAAAAAAAAAwOD//wAAAAAmAAAAZAAAABYAAABMAAAAAAAAAAAAAAAEAAAAAAAAAAEAAACAgIAKAAAAACgAAAAoAAAAZAAAAGQAAAAAAAAAzMzMAAAAAABQAAAAUAAAAGQAAABkAAAAAAAAABcAAAAUAAAAAAAAAAAAAAD/fwAA/38AAAAAAAAJAAAABAAAAAAAAAAMAAAAEAAAAAAAAAAAAAAAAAAAAAAAAAAeAAAAaAAAAAAAAAAAAAAAAAAAAAAAAAAAAAAAECcAABAnAAAAAAAAAAAAAAAAAAAAAAAAAAAAAAAAAAAAAAAAAAAAABQAAAAAAAAAwMD/AAAAAABkAAAAMgAAAAAAAABkAAAAAAAAAH9/fwAKAAAAHwAAAFQAAAC74OMF////AQAAAAAAAAAAAAAAAAAAAAAAAAAAAAAAAAAAAAAAAAAAAAAAAn9/fwCAgIADzMzMAMDA/wB/f38AAAAAAAAAAAAAAAAAAAAAAAAAAAAhAAAAGAAAABQAAABqBAAAiAMAABY0AAAoBwAAEAAAACYAAAAIAAAA//////////8="/>
               </a:ext>
             </a:extLst>
           </p:cNvSpPr>
@@ -18507,7 +18521,7 @@
           <p:cNvSpPr>
             <a:extLst>
               <a:ext uri="smNativeData">
-                <pr:smNativeData xmlns:pr="smNativeData" val="SMDATA_13_BbpsXRMAAAAlAAAAZAAAAA8BAAAAkAAAAEgAAACQAAAASAAAAAAAAAAAAAAAAAAAAAEAAABQAAAAAAAAAAAA4D8AAAAAAADgPwAAAAAAAOA/AAAAAAAA4D8AAAAAAADgPwAAAAAAAOA/AAAAAAAA4D8AAAAAAADgPwAAAAAAAOA/AAAAAAAA4D8CAAAAjAAAAAEAAAAAAAAAHh4eAP///wgAAAAAAAAAAAAAAAAAAAAAAAAAAAAAAAAAAAAAZAAAAAEAAABAAAAAAAAAAAAAAAAAAAAAAAAAAAAAAAAAAAAAAAAAAAAAAAAAAAAAAAAAAAAAAAAAAAAAAAAAAAAAAAAAAAAAAAAAAAAAAAAAAAAAAAAAAAAAAAAAAAAAFAAAADwAAAAAAAAAAAAAAAAAAAkAAAAAAQAAAAAAAAAAAAAAAAAAAAAAAAAAAAAAZAAAAGQAAAAAAAAAZAAAAGQAAAAVAAAAYAAAAAAAAAAAAAAADwAAACADAAAAAAAAAAAAAAEAAACgMgAAAAAAAAAAAAABAAAAf39/AAEAAABkAAAAAAAAABQAAABAHwAAAAAAACYAAAAAAAAAwOD//wAAAAAmAAAAZAAAABYAAABMAAAAAAAAAAAAAAAEAAAAAAAAAAEAAACAgIAKAAAAACgAAAAoAAAAZAAAAGQAAAAAAAAAzMzMAAAAAABQAAAAUAAAAGQAAABkAAAAAAAAABcAAAAUAAAAAAAAAAAAAAD/fwAA/38AAAAAAAAJAAAABAAAAHlsZT4MAAAAEAAAAAAAAAAAAAAAAAAAAAAAAAAeAAAAaAAAAAAAAAAAAAAAAAAAAAAAAAAAAAAAECcAABAnAAAAAAAAAAAAAAAAAAAAAAAAAAAAAAAAAAAAAAAAAAAAABQAAAAAAAAAwMD/AAAAAABkAAAAMgAAAAAAAABkAAAAAAAAAH9/fwAKAAAAHwAAAFQAAAAeHh4A////AQAAAAAAAAAAAAAAAAAAAAAAAAAAAAAAAAAAAAAAAAAAAAAAAn9/fwCAgIADzMzMAMDA/wB/f38AAAAAAAAAAAAAAAAAAAAAAAAAAAAhAAAAGAAAABQAAAAAAAAAZQcAAEA4AAC4CAAAEAAAACYAAAAIAAAA//////////8="/>
+                <pr:smNativeData xmlns:pr="smNativeData" val="SMDATA_13_IrKAXRMAAAAlAAAAZAAAAA8BAAAAkAAAAEgAAACQAAAASAAAAAAAAAAAAAAAAAAAAAEAAABQAAAAAAAAAAAA4D8AAAAAAADgPwAAAAAAAOA/AAAAAAAA4D8AAAAAAADgPwAAAAAAAOA/AAAAAAAA4D8AAAAAAADgPwAAAAAAAOA/AAAAAAAA4D8CAAAAjAAAAAEAAAAAAAAAHh4eAP///wgAAAAAAAAAAAAAAAAAAAAAAAAAAAAAAAAAAAAAZAAAAAEAAABAAAAAAAAAAAAAAAAAAAAAAAAAAAAAAAAAAAAAAAAAAAAAAAAAAAAAAAAAAAAAAAAAAAAAAAAAAAAAAAAAAAAAAAAAAAAAAAAAAAAAAAAAAAAAAAAAAAAAFAAAADwAAAAAAAAAAAAAAAAAAAkAAAAAAQAAAAAAAAAAAAAAAAAAAAAAAAAAAAAAZAAAAGQAAAAAAAAAZAAAAGQAAAAVAAAAYAAAAAAAAAAAAAAADwAAACADAAAAAAAAAAAAAAEAAACgMgAAAAAAAAAAAAABAAAAf39/AAEAAABkAAAAAAAAABQAAABAHwAAAAAAACYAAAAAAAAAwOD//wAAAAAmAAAAZAAAABYAAABMAAAAAAAAAAAAAAAEAAAAAAAAAAEAAACAgIAKAAAAACgAAAAoAAAAZAAAAGQAAAAAAAAAzMzMAAAAAABQAAAAUAAAAGQAAABkAAAAAAAAABcAAAAUAAAAAAAAAAAAAAD/fwAA/38AAAAAAAAJAAAABAAAAHlsZT4MAAAAEAAAAAAAAAAAAAAAAAAAAAAAAAAeAAAAaAAAAAAAAAAAAAAAAAAAAAAAAAAAAAAAECcAABAnAAAAAAAAAAAAAAAAAAAAAAAAAAAAAAAAAAAAAAAAAAAAABQAAAAAAAAAwMD/AAAAAABkAAAAMgAAAAAAAABkAAAAAAAAAH9/fwAKAAAAHwAAAFQAAAAeHh4A////AQAAAAAAAAAAAAAAAAAAAAAAAAAAAAAAAAAAAAAAAAAAAAAAAn9/fwCAgIADzMzMAMDA/wB/f38AAAAAAAAAAAAAAAAAAAAAAAAAAAAhAAAAGAAAABQAAAAAAAAAZQcAAEA4AAC4CAAAEAAAACYAAAAIAAAA//////////8="/>
               </a:ext>
             </a:extLst>
           </p:cNvSpPr>
@@ -18537,7 +18551,7 @@
             <a:picLocks noChangeAspect="1"/>
             <a:extLst>
               <a:ext uri="smNativeData">
-                <pr:smNativeData xmlns:pr="smNativeData" val="SMDATA_15_BbpsXRMAAAAlAAAAEQAAAC8BAAAAkAAAAEgAAACQAAAASAAAAAAAAAAAAAAAAAAAAAEAAABQAAAAAAAAAAAA4D8AAAAAAADgPwAAAAAAAOA/AAAAAAAA4D8AAAAAAADgPwAAAAAAAOA/AAAAAAAA4D8AAAAAAADgPwAAAAAAAOA/AAAAAAAA4D8CAAAAjAAAAAAAAAAAAAAAu+DjDP///wgAAAAAAAAAAAAAAAAAAAAAAAAAAAAAAAAAAAAAZAAAAAEAAABAAAAAAAAAAAAAAAAAAAAAAAAAAAAAAAAAAAAAAAAAAAAAAAAAAAAAAAAAAAAAAAAAAAAAAAAAAAAAAAAAAAAAAAAAAAAAAAAAAAAAAAAAAAAAAAAAAAAAFAAAADwAAAAAAAAAAAAAAAAAAAkUAAAAAQAAABQAAAAUAAAAFAAAAAEAAAAAAAAAZAAAAGQAAAAAAAAAZAAAAGQAAAAVAAAAYAAAAAAAAAAAAAAADwAAACADAAAAAAAAAAAAAAEAAACgMgAAVgcAAKr4//8BAAAAf39/AAEAAABkAAAAAAAAABQAAABAHwAAAAAAACYAAAAAAAAAwOD//wAAAAAmAAAAZAAAABYAAABMAAAAAAAAAAAAAAAEAAAAAAAAAAEAAACAgIAKAAAAACgAAAAoAAAAZAAAAGQAAAAAAAAAzMzMAAAAAABQAAAAUAAAAGQAAABkAAAAAAAAAAcAAAA4AAAAAAAAAAAAAAAAAAAA////AAAAAAAAAAAAAAAAAAAAAAAAAAAAAAAAAAAAAABkAAAAZAAAAAAAAAAjAAAABAAAAGQAAAAXAAAAFAAAAAAAAAAAAAAA/38AAP9/AAAAAAAACQAAAAQAAAAAAAAADAAAABAAAAAAAAAAAAAAAAAAAAAAAAAAHgAAAGgAAAAAAAAAAAAAAAAAAAAAAAAAAAAAABAnAAAQJwAAAAAAAAAAAAAAAAAAAAAAAAAAAAAAAAAAAAAAAAAAAAAUAAAAAAAAAMDA/wAAAAAAZAAAADIAAAAAAAAAZAAAAAAAAAB/f38ACgAAAB8AAABUAAAAu+DjBf///wEAAAAAAAAAAAAAAAAAAAAAAAAAAAAAAAAAAAAAAAAAAAAAAAJ/f38AgICAA8zMzADAwP8Af39/AAAAAAAAAAAAAAAAAP///wAAAAAAIQAAABgAAAAUAAAAAQAAAMYMAABAOAAA2SgAABAAAAAmAAAACAAAAP//////////"/>
+                <pr:smNativeData xmlns:pr="smNativeData" val="SMDATA_15_IrKAXRMAAAAlAAAAEQAAAC8BAAAAkAAAAEgAAACQAAAASAAAAAAAAAAAAAAAAAAAAAEAAABQAAAAAAAAAAAA4D8AAAAAAADgPwAAAAAAAOA/AAAAAAAA4D8AAAAAAADgPwAAAAAAAOA/AAAAAAAA4D8AAAAAAADgPwAAAAAAAOA/AAAAAAAA4D8CAAAAjAAAAAAAAAAAAAAAu+DjDP///wgAAAAAAAAAAAAAAAAAAAAAAAAAAAAAAAAAAAAAZAAAAAEAAABAAAAAAAAAAAAAAAAAAAAAAAAAAAAAAAAAAAAAAAAAAAAAAAAAAAAAAAAAAAAAAAAAAAAAAAAAAAAAAAAAAAAAAAAAAAAAAAAAAAAAAAAAAAAAAAAAAAAAFAAAADwAAAAAAAAAAAAAAAAAAAkUAAAAAQAAABQAAAAUAAAAFAAAAAEAAAAAAAAAZAAAAGQAAAAAAAAAZAAAAGQAAAAVAAAAYAAAAAAAAAAAAAAADwAAACADAAAAAAAAAAAAAAEAAACgMgAAVgcAAKr4//8BAAAAf39/AAEAAABkAAAAAAAAABQAAABAHwAAAAAAACYAAAAAAAAAwOD//wAAAAAmAAAAZAAAABYAAABMAAAAAAAAAAAAAAAEAAAAAAAAAAEAAACAgIAKAAAAACgAAAAoAAAAZAAAAGQAAAAAAAAAzMzMAAAAAABQAAAAUAAAAGQAAABkAAAAAAAAAAcAAAA4AAAAAAAAAAAAAAAAAAAA////AAAAAAAAAAAAAAAAAAAAAAAAAAAAAAAAAAAAAABkAAAAZAAAAAAAAAAjAAAABAAAAGQAAAAXAAAAFAAAAAAAAAAAAAAA/38AAP9/AAAAAAAACQAAAAQAAAAAAAAADAAAABAAAAAAAAAAAAAAAAAAAAAAAAAAHgAAAGgAAAAAAAAAAAAAAAAAAAAAAAAAAAAAABAnAAAQJwAAAAAAAAAAAAAAAAAAAAAAAAAAAAAAAAAAAAAAAAAAAAAUAAAAAAAAAMDA/wAAAAAAZAAAADIAAAAAAAAAZAAAAAAAAAB/f38ACgAAAB8AAABUAAAAu+DjBf///wEAAAAAAAAAAAAAAAAAAAAAAAAAAAAAAAAAAAAAAAAAAAAAAAJ/f38AgICAA8zMzADAwP8Af39/AAAAAAAAAAAAAAAAAP///wAAAAAAIQAAABgAAAAUAAAAAQAAAMYMAABAOAAA2SgAABAAAAAmAAAACAAAAP//////////"/>
               </a:ext>
             </a:extLst>
           </p:cNvPicPr>
@@ -18570,7 +18584,7 @@
           <p:cNvSpPr txBox="1">
             <a:extLst>
               <a:ext uri="smNativeData">
-                <pr:smNativeData xmlns:pr="smNativeData" val="SMDATA_13_BbpsXRMAAAAlAAAAEgAAAE8BAAAAkAAAAEgAAACQAAAASAAAAAAAAAAAAAAAAAAAAAEAAABQAAAAAAAAAAAA4D8AAAAAAADgPwAAAAAAAOA/AAAAAAAA4D8AAAAAAADgPwAAAAAAAOA/AAAAAAAA4D8AAAAAAADgPwAAAAAAAOA/AAAAAAAA4D8CAAAAjAAAAAAAAAAAAAAAu+DjDP///wgAAAAAAAAAAAAAAAAAAAAAAAAAAAAAAAAAAAAAZAAAAAEAAABAAAAAAAAAAAAAAAAAAAAAAAAAAAAAAAAAAAAAAAAAAAAAAAAAAAAAAAAAAAAAAAAAAAAAAAAAAAAAAAAAAAAAAAAAAAAAAAAAAAAAAAAAAAAAAAAAAAAAFAAAADwAAAAAAAAAAAAAAAAAAAkUAAAAAQAAABQAAAAUAAAAFAAAAAEAAAAAAAAAZAAAAGQAAAAAAAAAZAAAAGQAAAAVAAAAYAAAAAAAAAAAAAAADwAAACADAAAAAAAAAAAAAAEAAACgMgAAVgcAAKr4//8BAAAAf39/AAEAAABkAAAAAAAAABQAAABAHwAAAAAAACYAAAAAAAAAwOD//wAAAAAmAAAAZAAAABYAAABMAAAAAAAAAAAAAAAEAAAAAAAAAAEAAACAgIAKAAAAACgAAAAoAAAAZAAAAGQAAAAAAAAAzMzMAAAAAABQAAAAUAAAAGQAAABkAAAAAAAAABcAAAAUAAAAAAAAANwIAAD/fwAA/38AAAAAAAAJAAAABAAAADAYIQIMAAAAEAAAAAAAAAAAAAAAAAAAAAAAAAAeAAAAaAAAAAAAAAAAAAAAAAAAAAAAAAAAAAAAECcAABAnAAAAAAAAAAAAAAAAAAAAAAAAAAAAAAAAAAAAAAAAAAAAABQAAAAAAAAAwMD/AAAAAABkAAAAMgAAAAAAAABkAAAAAAAAAH9/fwAKAAAAHwAAAFQAAAC74OMF////AQAAAAAAAAAAAAAAAAAAAAAAAAAAAAAAAAAAAAAAAAAAAAAAAn9/fwCAgIADzMzMAMDA/wB/f38AAAAAAAAAAAAAAAAAAAAAAAAAAAAhAAAAGAAAABQAAABqBAAA1AgAABY0AAAUCwAAECAAACYAAAAIAAAA//////////8="/>
+                <pr:smNativeData xmlns:pr="smNativeData" val="SMDATA_13_IrKAXRMAAAAlAAAAEgAAAE8BAAAAkAAAAEgAAACQAAAASAAAAAAAAAAAAAAAAAAAAAEAAABQAAAAAAAAAAAA4D8AAAAAAADgPwAAAAAAAOA/AAAAAAAA4D8AAAAAAADgPwAAAAAAAOA/AAAAAAAA4D8AAAAAAADgPwAAAAAAAOA/AAAAAAAA4D8CAAAAjAAAAAAAAAAAAAAAu+DjDP///wgAAAAAAAAAAAAAAAAAAAAAAAAAAAAAAAAAAAAAZAAAAAEAAABAAAAAAAAAAAAAAAAAAAAAAAAAAAAAAAAAAAAAAAAAAAAAAAAAAAAAAAAAAAAAAAAAAAAAAAAAAAAAAAAAAAAAAAAAAAAAAAAAAAAAAAAAAAAAAAAAAAAAFAAAADwAAAAAAAAAAAAAAAAAAAkUAAAAAQAAABQAAAAUAAAAFAAAAAEAAAAAAAAAZAAAAGQAAAAAAAAAZAAAAGQAAAAVAAAAYAAAAAAAAAAAAAAADwAAACADAAAAAAAAAAAAAAEAAACgMgAAVgcAAKr4//8BAAAAf39/AAEAAABkAAAAAAAAABQAAABAHwAAAAAAACYAAAAAAAAAwOD//wAAAAAmAAAAZAAAABYAAABMAAAAAAAAAAAAAAAEAAAAAAAAAAEAAACAgIAKAAAAACgAAAAoAAAAZAAAAGQAAAAAAAAAzMzMAAAAAABQAAAAUAAAAGQAAABkAAAAAAAAABcAAAAUAAAAAAAAANwIAAD/fwAA/38AAAAAAAAJAAAABAAAADAYIQIMAAAAEAAAAAAAAAAAAAAAAAAAAAAAAAAeAAAAaAAAAAAAAAAAAAAAAAAAAAAAAAAAAAAAECcAABAnAAAAAAAAAAAAAAAAAAAAAAAAAAAAAAAAAAAAAAAAAAAAABQAAAAAAAAAwMD/AAAAAABkAAAAMgAAAAAAAABkAAAAAAAAAH9/fwAKAAAAHwAAAFQAAAC74OMF////AQAAAAAAAAAAAAAAAAAAAAAAAAAAAAAAAAAAAAAAAAAAAAAAAn9/fwCAgIADzMzMAMDA/wB/f38AAAAAAAAAAAAAAAAAAAAAAAAAAAAhAAAAGAAAABQAAABqBAAA1AgAABY0AAAUCwAAECAAACYAAAAIAAAA//////////8="/>
               </a:ext>
             </a:extLst>
           </p:cNvSpPr>
@@ -18656,7 +18670,7 @@
           <p:cNvSpPr>
             <a:extLst>
               <a:ext uri="smNativeData">
-                <pr:smNativeData xmlns:pr="smNativeData" val="SMDATA_13_BbpsXRMAAAAlAAAAZAAAAA8BAAAAkAAAAEgAAACQAAAASAAAAAAAAAABAAAAAAAAAAEAAABQAAAAAAAAAAAA4D8AAAAAAADgPwAAAAAAAOA/AAAAAAAA4D8AAAAAAADgPwAAAAAAAOA/AAAAAAAA4D8AAAAAAADgPwAAAAAAAOA/AAAAAAAA4D8CAAAAjAAAAAAAAAAAAAAAu+DjDP///wgAAAAAAAAAAAAAAAAAAAAAAAAAAAAAAAAAAAAAZAAAAAEAAABAAAAAAAAAAAAAAAAAAAAAAAAAAAAAAAAAAAAAAAAAAAAAAAAAAAAAAAAAAAAAAAAAAAAAAAAAAAAAAAAAAAAAAAAAAAAAAAAAAAAAAAAAAAAAAAAAAAAAFAAAADwAAAAAAAAAAAAAAAAAAAkUAAAAAQAAABQAAAAUAAAAFAAAAAEAAAAAAAAAZAAAAGQAAAAAAAAAZAAAAGQAAAAVAAAAYAAAAAAAAAAAAAAADwAAACADAAAAAAAAAAAAAAEAAACgMgAAVgcAAKr4//8BAAAAf39/AAEAAABkAAAAAAAAABQAAABAHwAAAAAAACYAAAAAAAAAwOD//wAAAAAmAAAAZAAAABYAAABMAAAAAAAAAAAAAAAEAAAAAAAAAAEAAACAgIAKAAAAACgAAAAoAAAAZAAAAGQAAAAAAAAAzMzMAAAAAABQAAAAUAAAAGQAAABkAAAAAAAAABcAAAAUAAAAAAAAAAAAAAD/fwAA/38AAAAAAAAJAAAABAAAADAYIQIMAAAAEAAAAAAAAAAAAAAAAAAAAAAAAAAeAAAAaAAAAAAAAAAAAAAAAAAAAAAAAAAAAAAAECcAABAnAAAAAAAAAAAAAAAAAAAAAAAAAAAAAAAAAAAAAAAAAAAAABQAAAAAAAAAwMD/AAAAAABkAAAAMgAAAAAAAABkAAAAAAAAAH9/fwAKAAAAHwAAAFQAAAC74OMF////AQAAAAAAAAAAAAAAAAAAAAAAAAAAAAAAAAAAAAAAAAAAAAAAAn9/fwCAgIADzMzMAMDA/wB/f38AAAAAAAAAAAAAAAAAAAAAAAAAAAAhAAAAGAAAABQAAABqBAAAiAMAABY0AAAoBwAAEAAAACYAAAAIAAAA//////////8="/>
+                <pr:smNativeData xmlns:pr="smNativeData" val="SMDATA_13_IrKAXRMAAAAlAAAAZAAAAA8BAAAAkAAAAEgAAACQAAAASAAAAAAAAAABAAAAAAAAAAEAAABQAAAAAAAAAAAA4D8AAAAAAADgPwAAAAAAAOA/AAAAAAAA4D8AAAAAAADgPwAAAAAAAOA/AAAAAAAA4D8AAAAAAADgPwAAAAAAAOA/AAAAAAAA4D8CAAAAjAAAAAAAAAAAAAAAu+DjDP///wgAAAAAAAAAAAAAAAAAAAAAAAAAAAAAAAAAAAAAZAAAAAEAAABAAAAAAAAAAAAAAAAAAAAAAAAAAAAAAAAAAAAAAAAAAAAAAAAAAAAAAAAAAAAAAAAAAAAAAAAAAAAAAAAAAAAAAAAAAAAAAAAAAAAAAAAAAAAAAAAAAAAAFAAAADwAAAAAAAAAAAAAAAAAAAkUAAAAAQAAABQAAAAUAAAAFAAAAAEAAAAAAAAAZAAAAGQAAAAAAAAAZAAAAGQAAAAVAAAAYAAAAAAAAAAAAAAADwAAACADAAAAAAAAAAAAAAEAAACgMgAAVgcAAKr4//8BAAAAf39/AAEAAABkAAAAAAAAABQAAABAHwAAAAAAACYAAAAAAAAAwOD//wAAAAAmAAAAZAAAABYAAABMAAAAAAAAAAAAAAAEAAAAAAAAAAEAAACAgIAKAAAAACgAAAAoAAAAZAAAAGQAAAAAAAAAzMzMAAAAAABQAAAAUAAAAGQAAABkAAAAAAAAABcAAAAUAAAAAAAAAAAAAAD/fwAA/38AAAAAAAAJAAAABAAAADAYIQIMAAAAEAAAAAAAAAAAAAAAAAAAAAAAAAAeAAAAaAAAAAAAAAAAAAAAAAAAAAAAAAAAAAAAECcAABAnAAAAAAAAAAAAAAAAAAAAAAAAAAAAAAAAAAAAAAAAAAAAABQAAAAAAAAAwMD/AAAAAABkAAAAMgAAAAAAAABkAAAAAAAAAH9/fwAKAAAAHwAAAFQAAAC74OMF////AQAAAAAAAAAAAAAAAAAAAAAAAAAAAAAAAAAAAAAAAAAAAAAAAn9/fwCAgIADzMzMAMDA/wB/f38AAAAAAAAAAAAAAAAAAAAAAAAAAAAhAAAAGAAAABQAAABqBAAAiAMAABY0AAAoBwAAEAAAACYAAAAIAAAA//////////8="/>
               </a:ext>
             </a:extLst>
           </p:cNvSpPr>
@@ -18702,7 +18716,7 @@
           <p:cNvSpPr txBox="1">
             <a:extLst>
               <a:ext uri="smNativeData">
-                <pr:smNativeData xmlns:pr="smNativeData" val="SMDATA_13_BbpsXRMAAAAlAAAAEgAAAE8BAAAAkAAAAEgAAACQAAAASAAAAAAAAAAAAAAAAAAAAAEAAABQAAAAAAAAAAAA4D8AAAAAAADgPwAAAAAAAOA/AAAAAAAA4D8AAAAAAADgPwAAAAAAAOA/AAAAAAAA4D8AAAAAAADgPwAAAAAAAOA/AAAAAAAA4D8CAAAAjAAAAAAAAAAAAAAAu+DjDP///wgAAAAAAAAAAAAAAAAAAAAAAAAAAAAAAAAAAAAAZAAAAAEAAABAAAAAAAAAAAAAAAAAAAAAAAAAAAAAAAAAAAAAAAAAAAAAAAAAAAAAAAAAAAAAAAAAAAAAAAAAAAAAAAAAAAAAAAAAAAAAAAAAAAAAAAAAAAAAAAAAAAAAFAAAADwAAAAAAAAAAAAAAAAAAAkUAAAAAQAAABQAAAAUAAAAFAAAAAEAAAAAAAAAZAAAAGQAAAAAAAAAZAAAAGQAAAAVAAAAYAAAAAAAAAAAAAAADwAAACADAAAAAAAAAAAAAAEAAACgMgAAVgcAAKr4//8BAAAAf39/AAEAAABkAAAAAAAAABQAAABAHwAAAAAAACYAAAAAAAAAwOD//wAAAAAmAAAAZAAAABYAAABMAAAAAAAAAAAAAAAEAAAAAAAAAAEAAACAgIAKAAAAACgAAAAoAAAAZAAAAGQAAAAAAAAAzMzMAAAAAABQAAAAUAAAAGQAAABkAAAAAAAAABcAAAAUAAAAAAAAANwIAAD/fwAA/38AAAAAAAAJAAAABAAAAAAAAAAMAAAAEAAAAAAAAAAAAAAAAAAAAAAAAAAeAAAAaAAAAAAAAAAAAAAAAAAAAAAAAAAAAAAAECcAABAnAAAAAAAAAAAAAAAAAAAAAAAAAAAAAAAAAAAAAAAAAAAAABQAAAAAAAAAwMD/AAAAAABkAAAAMgAAAAAAAABkAAAAAAAAAH9/fwAKAAAAHwAAAFQAAAC74OMF////AQAAAAAAAAAAAAAAAAAAAAAAAAAAAAAAAAAAAAAAAAAAAAAAAn9/fwCAgIADzMzMAMDA/wB/f38AAAAAAAAAAAAAAAAAAAAAAAAAAAAhAAAAGAAAABQAAADfBgAAtg4AALsPAACmEgAAECAAACYAAAAIAAAA//////////8="/>
+                <pr:smNativeData xmlns:pr="smNativeData" val="SMDATA_13_IrKAXRMAAAAlAAAAEgAAAE8BAAAAkAAAAEgAAACQAAAASAAAAAAAAAAAAAAAAAAAAAEAAABQAAAAAAAAAAAA4D8AAAAAAADgPwAAAAAAAOA/AAAAAAAA4D8AAAAAAADgPwAAAAAAAOA/AAAAAAAA4D8AAAAAAADgPwAAAAAAAOA/AAAAAAAA4D8CAAAAjAAAAAAAAAAAAAAAu+DjDP///wgAAAAAAAAAAAAAAAAAAAAAAAAAAAAAAAAAAAAAZAAAAAEAAABAAAAAAAAAAAAAAAAAAAAAAAAAAAAAAAAAAAAAAAAAAAAAAAAAAAAAAAAAAAAAAAAAAAAAAAAAAAAAAAAAAAAAAAAAAAAAAAAAAAAAAAAAAAAAAAAAAAAAFAAAADwAAAAAAAAAAAAAAAAAAAkUAAAAAQAAABQAAAAUAAAAFAAAAAEAAAAAAAAAZAAAAGQAAAAAAAAAZAAAAGQAAAAVAAAAYAAAAAAAAAAAAAAADwAAACADAAAAAAAAAAAAAAEAAACgMgAAVgcAAKr4//8BAAAAf39/AAEAAABkAAAAAAAAABQAAABAHwAAAAAAACYAAAAAAAAAwOD//wAAAAAmAAAAZAAAABYAAABMAAAAAAAAAAAAAAAEAAAAAAAAAAEAAACAgIAKAAAAACgAAAAoAAAAZAAAAGQAAAAAAAAAzMzMAAAAAABQAAAAUAAAAGQAAABkAAAAAAAAABcAAAAUAAAAAAAAANwIAAD/fwAA/38AAAAAAAAJAAAABAAAAAAAAAAMAAAAEAAAAAAAAAAAAAAAAAAAAAAAAAAeAAAAaAAAAAAAAAAAAAAAAAAAAAAAAAAAAAAAECcAABAnAAAAAAAAAAAAAAAAAAAAAAAAAAAAAAAAAAAAAAAAAAAAABQAAAAAAAAAwMD/AAAAAABkAAAAMgAAAAAAAABkAAAAAAAAAH9/fwAKAAAAHwAAAFQAAAC74OMF////AQAAAAAAAAAAAAAAAAAAAAAAAAAAAAAAAAAAAAAAAAAAAAAAAn9/fwCAgIADzMzMAMDA/wB/f38AAAAAAAAAAAAAAAAAAAAAAAAAAAAhAAAAGAAAABQAAADfBgAAtg4AALsPAACmEgAAECAAACYAAAAIAAAA//////////8="/>
               </a:ext>
             </a:extLst>
           </p:cNvSpPr>
@@ -18748,7 +18762,7 @@
           <p:cNvSpPr txBox="1">
             <a:extLst>
               <a:ext uri="smNativeData">
-                <pr:smNativeData xmlns:pr="smNativeData" val="SMDATA_13_BbpsXRMAAAAlAAAAEgAAAE8BAAAAkAAAAEgAAACQAAAASAAAAAAAAAAAAAAAAAAAAAEAAABQAAAAAAAAAAAA4D8AAAAAAADgPwAAAAAAAOA/AAAAAAAA4D8AAAAAAADgPwAAAAAAAOA/AAAAAAAA4D8AAAAAAADgPwAAAAAAAOA/AAAAAAAA4D8CAAAAjAAAAAAAAAAAAAAAu+DjDP///wgAAAAAAAAAAAAAAAAAAAAAAAAAAAAAAAAAAAAAZAAAAAEAAABAAAAAAAAAAAAAAAAAAAAAAAAAAAAAAAAAAAAAAAAAAAAAAAAAAAAAAAAAAAAAAAAAAAAAAAAAAAAAAAAAAAAAAAAAAAAAAAAAAAAAAAAAAAAAAAAAAAAAFAAAADwAAAAAAAAAAAAAAAAAAAkUAAAAAQAAABQAAAAUAAAAFAAAAAEAAAAAAAAAZAAAAGQAAAAAAAAAZAAAAGQAAAAVAAAAYAAAAAAAAAAAAAAADwAAACADAAAAAAAAAAAAAAEAAACgMgAAVgcAAKr4//8BAAAAf39/AAEAAABkAAAAAAAAABQAAABAHwAAAAAAACYAAAAAAAAAwOD//wAAAAAmAAAAZAAAABYAAABMAAAAAAAAAAAAAAAEAAAAAAAAAAEAAACAgIAKAAAAACgAAAAoAAAAZAAAAGQAAAAAAAAAzMzMAAAAAABQAAAAUAAAAGQAAABkAAAAAAAAABcAAAAUAAAAAAAAANwIAAD/fwAA/38AAAAAAAAJAAAABAAAAON4AAAMAAAAEAAAAAAAAAAAAAAAAAAAAAAAAAAeAAAAaAAAAAAAAAAAAAAAAAAAAAAAAAAAAAAAECcAABAnAAAAAAAAAAAAAAAAAAAAAAAAAAAAAAAAAAAAAAAAAAAAABQAAAAAAAAAwMD/AAAAAABkAAAAMgAAAAAAAABkAAAAAAAAAH9/fwAKAAAAHwAAAFQAAAC74OMF////AQAAAAAAAAAAAAAAAAAAAAAAAAAAAAAAAAAAAAAAAAAAAAAAAn9/fwCAgIADzMzMAMDA/wB/f38AAAAAAAAAAAAAAAAAAAAAAAAAAAAhAAAAGAAAABQAAABcFAAAohIAADgdAADSGAAAECAAACYAAAAIAAAA//////////8="/>
+                <pr:smNativeData xmlns:pr="smNativeData" val="SMDATA_13_IrKAXRMAAAAlAAAAEgAAAE8BAAAAkAAAAEgAAACQAAAASAAAAAAAAAAAAAAAAAAAAAEAAABQAAAAAAAAAAAA4D8AAAAAAADgPwAAAAAAAOA/AAAAAAAA4D8AAAAAAADgPwAAAAAAAOA/AAAAAAAA4D8AAAAAAADgPwAAAAAAAOA/AAAAAAAA4D8CAAAAjAAAAAAAAAAAAAAAu+DjDP///wgAAAAAAAAAAAAAAAAAAAAAAAAAAAAAAAAAAAAAZAAAAAEAAABAAAAAAAAAAAAAAAAAAAAAAAAAAAAAAAAAAAAAAAAAAAAAAAAAAAAAAAAAAAAAAAAAAAAAAAAAAAAAAAAAAAAAAAAAAAAAAAAAAAAAAAAAAAAAAAAAAAAAFAAAADwAAAAAAAAAAAAAAAAAAAkUAAAAAQAAABQAAAAUAAAAFAAAAAEAAAAAAAAAZAAAAGQAAAAAAAAAZAAAAGQAAAAVAAAAYAAAAAAAAAAAAAAADwAAACADAAAAAAAAAAAAAAEAAACgMgAAVgcAAKr4//8BAAAAf39/AAEAAABkAAAAAAAAABQAAABAHwAAAAAAACYAAAAAAAAAwOD//wAAAAAmAAAAZAAAABYAAABMAAAAAAAAAAAAAAAEAAAAAAAAAAEAAACAgIAKAAAAACgAAAAoAAAAZAAAAGQAAAAAAAAAzMzMAAAAAABQAAAAUAAAAGQAAABkAAAAAAAAABcAAAAUAAAAAAAAANwIAAD/fwAA/38AAAAAAAAJAAAABAAAAON4AAAMAAAAEAAAAAAAAAAAAAAAAAAAAAAAAAAeAAAAaAAAAAAAAAAAAAAAAAAAAAAAAAAAAAAAECcAABAnAAAAAAAAAAAAAAAAAAAAAAAAAAAAAAAAAAAAAAAAAAAAABQAAAAAAAAAwMD/AAAAAABkAAAAMgAAAAAAAABkAAAAAAAAAH9/fwAKAAAAHwAAAFQAAAC74OMF////AQAAAAAAAAAAAAAAAAAAAAAAAAAAAAAAAAAAAAAAAAAAAAAAAn9/fwCAgIADzMzMAMDA/wB/f38AAAAAAAAAAAAAAAAAAAAAAAAAAAAhAAAAGAAAABQAAABcFAAAohIAADgdAADSGAAAECAAACYAAAAIAAAA//////////8="/>
               </a:ext>
             </a:extLst>
           </p:cNvSpPr>
@@ -18803,7 +18817,7 @@
           <p:cNvSpPr txBox="1">
             <a:extLst>
               <a:ext uri="smNativeData">
-                <pr:smNativeData xmlns:pr="smNativeData" val="SMDATA_13_BbpsXRMAAAAlAAAAEgAAAA8BAAAAkAAAAEgAAACQAAAASAAAAAAAAAAAAAAAAAAAAAEAAABQAAAAAAAAAAAA4D8AAAAAAADgPwAAAAAAAOA/AAAAAAAA4D8AAAAAAADgPwAAAAAAAOA/AAAAAAAA4D8AAAAAAADgPwAAAAAAAOA/AAAAAAAA4D8CAAAAjAAAAAAAAAAAAAAAu+DjDP///wgAAAAAAAAAAAAAAAAAAAAAAAAAAAAAAAAAAAAAZAAAAAEAAABAAAAAAAAAAAAAAAAAAAAAAAAAAAAAAAAAAAAAAAAAAAAAAAAAAAAAAAAAAAAAAAAAAAAAAAAAAAAAAAAAAAAAAAAAAAAAAAAAAAAAAAAAAAAAAAAAAAAAFAAAADwAAAAAAAAAAAAAAAAAAAkUAAAAAQAAABQAAAAUAAAAFAAAAAEAAAAAAAAAZAAAAGQAAAAAAAAAZAAAAGQAAAAVAAAAYAAAAAAAAAAAAAAADwAAACADAAAAAAAAAAAAAAEAAACgMgAAVgcAAKr4//8BAAAAf39/AAEAAABkAAAAAAAAABQAAABAHwAAAAAAACYAAAAAAAAAwOD//wAAAAAmAAAAZAAAABYAAABMAAAAAAAAAAAAAAAEAAAAAAAAAAEAAACAgIAKAAAAACgAAAAoAAAAZAAAAGQAAAAAAAAAzMzMAAAAAABQAAAAUAAAAGQAAABkAAAAAAAAABcAAAAUAAAAAAAAANwIAAD/fwAA/38AAAAAAAAJAAAABAAAAAIAAAAMAAAAEAAAAAAAAAAAAAAAAAAAAAAAAAAeAAAAaAAAAAAAAAAAAAAAAAAAAAAAAAAAAAAAECcAABAnAAAAAAAAAAAAAAAAAAAAAAAAAAAAAAAAAAAAAAAAAAAAABQAAAAAAAAAwMD/AAAAAABkAAAAMgAAAAAAAABkAAAAAAAAAH9/fwAKAAAAHwAAAFQAAAC74OMF////AQAAAAAAAAAAAAAAAAAAAAAAAAAAAAAAAAAAAAAAAAAAAAAAAn9/fwCAgIADzMzMAMDA/wB/f38AAAAAAAAAAAAAAAAAAAAAAAAAAAAhAAAAGAAAABQAAAD7HwAArxIAANcoAACKFwAAEAAAACYAAAAIAAAA//////////8="/>
+                <pr:smNativeData xmlns:pr="smNativeData" val="SMDATA_13_IrKAXRMAAAAlAAAAEgAAAA8BAAAAkAAAAEgAAACQAAAASAAAAAAAAAAAAAAAAAAAAAEAAABQAAAAAAAAAAAA4D8AAAAAAADgPwAAAAAAAOA/AAAAAAAA4D8AAAAAAADgPwAAAAAAAOA/AAAAAAAA4D8AAAAAAADgPwAAAAAAAOA/AAAAAAAA4D8CAAAAjAAAAAAAAAAAAAAAu+DjDP///wgAAAAAAAAAAAAAAAAAAAAAAAAAAAAAAAAAAAAAZAAAAAEAAABAAAAAAAAAAAAAAAAAAAAAAAAAAAAAAAAAAAAAAAAAAAAAAAAAAAAAAAAAAAAAAAAAAAAAAAAAAAAAAAAAAAAAAAAAAAAAAAAAAAAAAAAAAAAAAAAAAAAAFAAAADwAAAAAAAAAAAAAAAAAAAkUAAAAAQAAABQAAAAUAAAAFAAAAAEAAAAAAAAAZAAAAGQAAAAAAAAAZAAAAGQAAAAVAAAAYAAAAAAAAAAAAAAADwAAACADAAAAAAAAAAAAAAEAAACgMgAAVgcAAKr4//8BAAAAf39/AAEAAABkAAAAAAAAABQAAABAHwAAAAAAACYAAAAAAAAAwOD//wAAAAAmAAAAZAAAABYAAABMAAAAAAAAAAAAAAAEAAAAAAAAAAEAAACAgIAKAAAAACgAAAAoAAAAZAAAAGQAAAAAAAAAzMzMAAAAAABQAAAAUAAAAGQAAABkAAAAAAAAABcAAAAUAAAAAAAAANwIAAD/fwAA/38AAAAAAAAJAAAABAAAAAIAAAAMAAAAEAAAAAAAAAAAAAAAAAAAAAAAAAAeAAAAaAAAAAAAAAAAAAAAAAAAAAAAAAAAAAAAECcAABAnAAAAAAAAAAAAAAAAAAAAAAAAAAAAAAAAAAAAAAAAAAAAABQAAAAAAAAAwMD/AAAAAABkAAAAMgAAAAAAAABkAAAAAAAAAH9/fwAKAAAAHwAAAFQAAAC74OMF////AQAAAAAAAAAAAAAAAAAAAAAAAAAAAAAAAAAAAAAAAAAAAAAAAn9/fwCAgIADzMzMAMDA/wB/f38AAAAAAAAAAAAAAAAAAAAAAAAAAAAhAAAAGAAAABQAAAD7HwAArxIAANcoAACKFwAAEAAAACYAAAAIAAAA//////////8="/>
               </a:ext>
             </a:extLst>
           </p:cNvSpPr>
@@ -18858,7 +18872,7 @@
           <p:cNvSpPr txBox="1">
             <a:extLst>
               <a:ext uri="smNativeData">
-                <pr:smNativeData xmlns:pr="smNativeData" val="SMDATA_13_BbpsXRMAAAAlAAAAEgAAAA8BAAAAkAAAAEgAAACQAAAASAAAAAAAAAAAAAAAAAAAAAEAAABQAAAAAAAAAAAA4D8AAAAAAADgPwAAAAAAAOA/AAAAAAAA4D8AAAAAAADgPwAAAAAAAOA/AAAAAAAA4D8AAAAAAADgPwAAAAAAAOA/AAAAAAAA4D8CAAAAjAAAAAAAAAAAAAAAu+DjDP///wgAAAAAAAAAAAAAAAAAAAAAAAAAAAAAAAAAAAAAZAAAAAEAAABAAAAAAAAAAAAAAAAAAAAAAAAAAAAAAAAAAAAAAAAAAAAAAAAAAAAAAAAAAAAAAAAAAAAAAAAAAAAAAAAAAAAAAAAAAAAAAAAAAAAAAAAAAAAAAAAAAAAAFAAAADwAAAAAAAAAAAAAAAAAAAkUAAAAAQAAABQAAAAUAAAAFAAAAAEAAAAAAAAAZAAAAGQAAAAAAAAAZAAAAGQAAAAVAAAAYAAAAAAAAAAAAAAADwAAACADAAAAAAAAAAAAAAEAAACgMgAAVgcAAKr4//8BAAAAf39/AAEAAABkAAAAAAAAABQAAABAHwAAAAAAACYAAAAAAAAAwOD//wAAAAAmAAAAZAAAABYAAABMAAAAAAAAAAAAAAAEAAAAAAAAAAEAAACAgIAKAAAAACgAAAAoAAAAZAAAAGQAAAAAAAAAzMzMAAAAAABQAAAAUAAAAGQAAABkAAAAAAAAABcAAAAUAAAAAAAAANwIAAD/fwAA/38AAAAAAAAJAAAABAAAAMMCAAAMAAAAEAAAAAAAAAAAAAAAAAAAAAAAAAAeAAAAaAAAAAAAAAAAAAAAAAAAAAAAAAAAAAAAECcAABAnAAAAAAAAAAAAAAAAAAAAAAAAAAAAAAAAAAAAAAAAAAAAABQAAAAAAAAAwMD/AAAAAABkAAAAMgAAAAAAAABkAAAAAAAAAH9/fwAKAAAAHwAAAFQAAAC74OMF////AQAAAAAAAAAAAAAAAAAAAAAAAAAAAAAAAAAAAAAAAAAAAAAAAn9/fwCAgIADzMzMAMDA/wB/f38AAAAAAAAAAAAAAAAAAAAAAAAAAAAhAAAAGAAAABQAAADRKgAA1w4AABY0AACYFAAAEAAAACYAAAAIAAAA//////////8="/>
+                <pr:smNativeData xmlns:pr="smNativeData" val="SMDATA_13_IrKAXRMAAAAlAAAAEgAAAA8BAAAAkAAAAEgAAACQAAAASAAAAAAAAAAAAAAAAAAAAAEAAABQAAAAAAAAAAAA4D8AAAAAAADgPwAAAAAAAOA/AAAAAAAA4D8AAAAAAADgPwAAAAAAAOA/AAAAAAAA4D8AAAAAAADgPwAAAAAAAOA/AAAAAAAA4D8CAAAAjAAAAAAAAAAAAAAAu+DjDP///wgAAAAAAAAAAAAAAAAAAAAAAAAAAAAAAAAAAAAAZAAAAAEAAABAAAAAAAAAAAAAAAAAAAAAAAAAAAAAAAAAAAAAAAAAAAAAAAAAAAAAAAAAAAAAAAAAAAAAAAAAAAAAAAAAAAAAAAAAAAAAAAAAAAAAAAAAAAAAAAAAAAAAFAAAADwAAAAAAAAAAAAAAAAAAAkUAAAAAQAAABQAAAAUAAAAFAAAAAEAAAAAAAAAZAAAAGQAAAAAAAAAZAAAAGQAAAAVAAAAYAAAAAAAAAAAAAAADwAAACADAAAAAAAAAAAAAAEAAACgMgAAVgcAAKr4//8BAAAAf39/AAEAAABkAAAAAAAAABQAAABAHwAAAAAAACYAAAAAAAAAwOD//wAAAAAmAAAAZAAAABYAAABMAAAAAAAAAAAAAAAEAAAAAAAAAAEAAACAgIAKAAAAACgAAAAoAAAAZAAAAGQAAAAAAAAAzMzMAAAAAABQAAAAUAAAAGQAAABkAAAAAAAAABcAAAAUAAAAAAAAANwIAAD/fwAA/38AAAAAAAAJAAAABAAAAMMCAAAMAAAAEAAAAAAAAAAAAAAAAAAAAAAAAAAeAAAAaAAAAAAAAAAAAAAAAAAAAAAAAAAAAAAAECcAABAnAAAAAAAAAAAAAAAAAAAAAAAAAAAAAAAAAAAAAAAAAAAAABQAAAAAAAAAwMD/AAAAAABkAAAAMgAAAAAAAABkAAAAAAAAAH9/fwAKAAAAHwAAAFQAAAC74OMF////AQAAAAAAAAAAAAAAAAAAAAAAAAAAAAAAAAAAAAAAAAAAAAAAAn9/fwCAgIADzMzMAMDA/wB/f38AAAAAAAAAAAAAAAAAAAAAAAAAAAAhAAAAGAAAABQAAADRKgAA1w4AABY0AACYFAAAEAAAACYAAAAIAAAA//////////8="/>
               </a:ext>
             </a:extLst>
           </p:cNvSpPr>
@@ -18910,7 +18924,7 @@
           <p:cNvSpPr txBox="1">
             <a:extLst>
               <a:ext uri="smNativeData">
-                <pr:smNativeData xmlns:pr="smNativeData" val="SMDATA_13_BbpsXRMAAAAlAAAAEgAAAA8BAAAAkAAAAEgAAACQAAAASAAAAAAAAAAAAAAAAAAAAAEAAABQAAAAAAAAAAAA4D8AAAAAAADgPwAAAAAAAOA/AAAAAAAA4D8AAAAAAADgPwAAAAAAAOA/AAAAAAAA4D8AAAAAAADgPwAAAAAAAOA/AAAAAAAA4D8CAAAAjAAAAAAAAAAAAAAAu+DjDP///wgAAAAAAAAAAAAAAAAAAAAAAAAAAAAAAAAAAAAAZAAAAAEAAABAAAAAAAAAAAAAAAAAAAAAAAAAAAAAAAAAAAAAAAAAAAAAAAAAAAAAAAAAAAAAAAAAAAAAAAAAAAAAAAAAAAAAAAAAAAAAAAAAAAAAAAAAAAAAAAAAAAAAFAAAADwAAAAAAAAAAAAAAAAAAAkUAAAAAQAAABQAAAAUAAAAFAAAAAEAAAAAAAAAZAAAAGQAAAAAAAAAZAAAAGQAAAAVAAAAYAAAAAAAAAAAAAAADwAAACADAAAAAAAAAAAAAAEAAACgMgAAVgcAAKr4//8BAAAAf39/AAEAAABkAAAAAAAAABQAAABAHwAAAAAAACYAAAAAAAAAwOD//wAAAAAmAAAAZAAAABYAAABMAAAAAAAAAAAAAAAEAAAAAAAAAAEAAACAgIAKAAAAACgAAAAoAAAAZAAAAGQAAAAAAAAAzMzMAAAAAABQAAAAUAAAAGQAAABkAAAAAAAAABcAAAAUAAAAAAAAANwIAAD/fwAA/38AAAAAAAAJAAAABAAAAAAAAAAMAAAAEAAAAAAAAAAAAAAAAAAAAAAAAAAeAAAAaAAAAAAAAAAAAAAAAAAAAAAAAAAAAAAAECcAABAnAAAAAAAAAAAAAAAAAAAAAAAAAAAAAAAAAAAAAAAAAAAAABQAAAAAAAAAwMD/AAAAAABkAAAAMgAAAAAAAABkAAAAAAAAAH9/fwAKAAAAHwAAAFQAAAC74OMF////AQAAAAAAAAAAAAAAAAAAAAAAAAAAAAAAAAAAAAAAAAAAAAAAAn9/fwCAgIADzMzMAMDA/wB/f38AAAAAAAAAAAAAAAAAAAAAAAAAAAAhAAAAGAAAABQAAACjGQAAqyAAAMojAABUJwAAEAAAACYAAAAIAAAA//////////8="/>
+                <pr:smNativeData xmlns:pr="smNativeData" val="SMDATA_13_IrKAXRMAAAAlAAAAEgAAAA8BAAAAkAAAAEgAAACQAAAASAAAAAAAAAAAAAAAAAAAAAEAAABQAAAAAAAAAAAA4D8AAAAAAADgPwAAAAAAAOA/AAAAAAAA4D8AAAAAAADgPwAAAAAAAOA/AAAAAAAA4D8AAAAAAADgPwAAAAAAAOA/AAAAAAAA4D8CAAAAjAAAAAAAAAAAAAAAu+DjDP///wgAAAAAAAAAAAAAAAAAAAAAAAAAAAAAAAAAAAAAZAAAAAEAAABAAAAAAAAAAAAAAAAAAAAAAAAAAAAAAAAAAAAAAAAAAAAAAAAAAAAAAAAAAAAAAAAAAAAAAAAAAAAAAAAAAAAAAAAAAAAAAAAAAAAAAAAAAAAAAAAAAAAAFAAAADwAAAAAAAAAAAAAAAAAAAkUAAAAAQAAABQAAAAUAAAAFAAAAAEAAAAAAAAAZAAAAGQAAAAAAAAAZAAAAGQAAAAVAAAAYAAAAAAAAAAAAAAADwAAACADAAAAAAAAAAAAAAEAAACgMgAAVgcAAKr4//8BAAAAf39/AAEAAABkAAAAAAAAABQAAABAHwAAAAAAACYAAAAAAAAAwOD//wAAAAAmAAAAZAAAABYAAABMAAAAAAAAAAAAAAAEAAAAAAAAAAEAAACAgIAKAAAAACgAAAAoAAAAZAAAAGQAAAAAAAAAzMzMAAAAAABQAAAAUAAAAGQAAABkAAAAAAAAABcAAAAUAAAAAAAAANwIAAD/fwAA/38AAAAAAAAJAAAABAAAAAAAAAAMAAAAEAAAAAAAAAAAAAAAAAAAAAAAAAAeAAAAaAAAAAAAAAAAAAAAAAAAAAAAAAAAAAAAECcAABAnAAAAAAAAAAAAAAAAAAAAAAAAAAAAAAAAAAAAAAAAAAAAABQAAAAAAAAAwMD/AAAAAABkAAAAMgAAAAAAAABkAAAAAAAAAH9/fwAKAAAAHwAAAFQAAAC74OMF////AQAAAAAAAAAAAAAAAAAAAAAAAAAAAAAAAAAAAAAAAAAAAAAAAn9/fwCAgIADzMzMAMDA/wB/f38AAAAAAAAAAAAAAAAAAAAAAAAAAAAhAAAAGAAAABQAAACjGQAAqyAAAMojAABUJwAAEAAAACYAAAAIAAAA//////////8="/>
               </a:ext>
             </a:extLst>
           </p:cNvSpPr>
@@ -19000,7 +19014,7 @@
           <p:cNvSpPr txBox="1">
             <a:extLst>
               <a:ext uri="smNativeData">
-                <pr:smNativeData xmlns:pr="smNativeData" val="SMDATA_13_BbpsXRMAAAAlAAAAEgAAAE8BAAAAkAAAAEgAAACQAAAASAAAAAAAAAAAAAAAAAAAAAEAAABQAAAAAAAAAAAA4D8AAAAAAADgPwAAAAAAAOA/AAAAAAAA4D8AAAAAAADgPwAAAAAAAOA/AAAAAAAA4D8AAAAAAADgPwAAAAAAAOA/AAAAAAAA4D8CAAAAjAAAAAAAAAAAAAAAu+DjDP///wgAAAAAAAAAAAAAAAAAAAAAAAAAAAAAAAAAAAAAZAAAAAEAAABAAAAAAAAAAAAAAAAAAAAAAAAAAAAAAAAAAAAAAAAAAAAAAAAAAAAAAAAAAAAAAAAAAAAAAAAAAAAAAAAAAAAAAAAAAAAAAAAAAAAAAAAAAAAAAAAAAAAAFAAAADwAAAAAAAAAAAAAAAAAAAkUAAAAAQAAABQAAAAUAAAAFAAAAAEAAAAAAAAAZAAAAGQAAAAAAAAAZAAAAGQAAAAVAAAAYAAAAAAAAAAAAAAADwAAACADAAAAAAAAAAAAAAEAAACgMgAAVgcAAKr4//8BAAAAf39/AAEAAABkAAAAAAAAABQAAABAHwAAAAAAACYAAAAAAAAAwOD//wAAAAAmAAAAZAAAABYAAABMAAAAAAAAAAAAAAAEAAAAAAAAAAEAAACAgIAKAAAAACgAAAAoAAAAZAAAAGQAAAAAAAAAzMzMAAAAAABQAAAAUAAAAGQAAABkAAAAAAAAABcAAAAUAAAAAAAAANwIAAD/fwAA/38AAAAAAAAJAAAABAAAAMMCAAAMAAAAEAAAAAAAAAAAAAAAAAAAAAAAAAAeAAAAaAAAAAAAAAAAAAAAAAAAAAAAAAAAAAAAECcAABAnAAAAAAAAAAAAAAAAAAAAAAAAAAAAAAAAAAAAAAAAAAAAABQAAAAAAAAAwMD/AAAAAABkAAAAMgAAAAAAAABkAAAAAAAAAH9/fwAKAAAAHwAAAFQAAAC74OMF////AQAAAAAAAAAAAAAAAAAAAAAAAAAAAAAAAAAAAAAAAAAAAAAAAn9/fwCAgIADzMzMAMDA/wB/f38AAAAAAAAAAAAAAAAAAAAAAAAAAAAhAAAAGAAAABQAAAAVDQAAqBYAAGkSAADoGAAAECAAACYAAAAIAAAA//////////8="/>
+                <pr:smNativeData xmlns:pr="smNativeData" val="SMDATA_13_IrKAXRMAAAAlAAAAEgAAAE8BAAAAkAAAAEgAAACQAAAASAAAAAAAAAAAAAAAAAAAAAEAAABQAAAAAAAAAAAA4D8AAAAAAADgPwAAAAAAAOA/AAAAAAAA4D8AAAAAAADgPwAAAAAAAOA/AAAAAAAA4D8AAAAAAADgPwAAAAAAAOA/AAAAAAAA4D8CAAAAjAAAAAAAAAAAAAAAu+DjDP///wgAAAAAAAAAAAAAAAAAAAAAAAAAAAAAAAAAAAAAZAAAAAEAAABAAAAAAAAAAAAAAAAAAAAAAAAAAAAAAAAAAAAAAAAAAAAAAAAAAAAAAAAAAAAAAAAAAAAAAAAAAAAAAAAAAAAAAAAAAAAAAAAAAAAAAAAAAAAAAAAAAAAAFAAAADwAAAAAAAAAAAAAAAAAAAkUAAAAAQAAABQAAAAUAAAAFAAAAAEAAAAAAAAAZAAAAGQAAAAAAAAAZAAAAGQAAAAVAAAAYAAAAAAAAAAAAAAADwAAACADAAAAAAAAAAAAAAEAAACgMgAAVgcAAKr4//8BAAAAf39/AAEAAABkAAAAAAAAABQAAABAHwAAAAAAACYAAAAAAAAAwOD//wAAAAAmAAAAZAAAABYAAABMAAAAAAAAAAAAAAAEAAAAAAAAAAEAAACAgIAKAAAAACgAAAAoAAAAZAAAAGQAAAAAAAAAzMzMAAAAAABQAAAAUAAAAGQAAABkAAAAAAAAABcAAAAUAAAAAAAAANwIAAD/fwAA/38AAAAAAAAJAAAABAAAAMMCAAAMAAAAEAAAAAAAAAAAAAAAAAAAAAAAAAAeAAAAaAAAAAAAAAAAAAAAAAAAAAAAAAAAAAAAECcAABAnAAAAAAAAAAAAAAAAAAAAAAAAAAAAAAAAAAAAAAAAAAAAABQAAAAAAAAAwMD/AAAAAABkAAAAMgAAAAAAAABkAAAAAAAAAH9/fwAKAAAAHwAAAFQAAAC74OMF////AQAAAAAAAAAAAAAAAAAAAAAAAAAAAAAAAAAAAAAAAAAAAAAAAn9/fwCAgIADzMzMAMDA/wB/f38AAAAAAAAAAAAAAAAAAAAAAAAAAAAhAAAAGAAAABQAAAAVDQAAqBYAAGkSAADoGAAAECAAACYAAAAIAAAA//////////8="/>
               </a:ext>
             </a:extLst>
           </p:cNvSpPr>
@@ -19046,7 +19060,7 @@
           <p:cNvSpPr txBox="1">
             <a:extLst>
               <a:ext uri="smNativeData">
-                <pr:smNativeData xmlns:pr="smNativeData" val="SMDATA_13_BbpsXRMAAAAlAAAAEgAAAE8BAAAAkAAAAEgAAACQAAAASAAAAAAAAAAAAAAAAAAAAAEAAABQAAAAAAAAAAAA4D8AAAAAAADgPwAAAAAAAOA/AAAAAAAA4D8AAAAAAADgPwAAAAAAAOA/AAAAAAAA4D8AAAAAAADgPwAAAAAAAOA/AAAAAAAA4D8CAAAAjAAAAAAAAAAAAAAAu+DjDP///wgAAAAAAAAAAAAAAAAAAAAAAAAAAAAAAAAAAAAAZAAAAAEAAABAAAAAAAAAAAAAAAAAAAAAAAAAAAAAAAAAAAAAAAAAAAAAAAAAAAAAAAAAAAAAAAAAAAAAAAAAAAAAAAAAAAAAAAAAAAAAAAAAAAAAAAAAAAAAAAAAAAAAFAAAADwAAAAAAAAAAAAAAAAAAAkUAAAAAQAAABQAAAAUAAAAFAAAAAEAAAAAAAAAZAAAAGQAAAAAAAAAZAAAAGQAAAAVAAAAYAAAAAAAAAAAAAAADwAAACADAAAAAAAAAAAAAAEAAACgMgAAVgcAAKr4//8BAAAAf39/AAEAAABkAAAAAAAAABQAAABAHwAAAAAAACYAAAAAAAAAwOD//wAAAAAmAAAAZAAAABYAAABMAAAAAAAAAAAAAAAEAAAAAAAAAAEAAACAgIAKAAAAACgAAAAoAAAAZAAAAGQAAAAAAAAAzMzMAAAAAABQAAAAUAAAAGQAAABkAAAAAAAAABcAAAAUAAAAAAAAANwIAAD/fwAA/38AAAAAAAAJAAAABAAAAAAAAAAMAAAAEAAAAAAAAAAAAAAAAAAAAAAAAAAeAAAAaAAAAAAAAAAAAAAAAAAAAAAAAAAAAAAAECcAABAnAAAAAAAAAAAAAAAAAAAAAAAAAAAAAAAAAAAAAAAAAAAAABQAAAAAAAAAwMD/AAAAAABkAAAAMgAAAAAAAABkAAAAAAAAAH9/fwAKAAAAHwAAAFQAAAC74OMF////AQAAAAAAAAAAAAAAAAAAAAAAAAAAAAAAAAAAAAAAAAAAAAAAAn9/fwCAgIADzMzMAMDA/wB/f38AAAAAAAAAAAAAAAAAAAAAAAAAAAAhAAAAGAAAABQAAACPGAAALgsAAOskAAC+DgAAECAAACYAAAAIAAAA//////////8="/>
+                <pr:smNativeData xmlns:pr="smNativeData" val="SMDATA_13_IrKAXRMAAAAlAAAAEgAAAE8BAAAAkAAAAEgAAACQAAAASAAAAAAAAAAAAAAAAAAAAAEAAABQAAAAAAAAAAAA4D8AAAAAAADgPwAAAAAAAOA/AAAAAAAA4D8AAAAAAADgPwAAAAAAAOA/AAAAAAAA4D8AAAAAAADgPwAAAAAAAOA/AAAAAAAA4D8CAAAAjAAAAAAAAAAAAAAAu+DjDP///wgAAAAAAAAAAAAAAAAAAAAAAAAAAAAAAAAAAAAAZAAAAAEAAABAAAAAAAAAAAAAAAAAAAAAAAAAAAAAAAAAAAAAAAAAAAAAAAAAAAAAAAAAAAAAAAAAAAAAAAAAAAAAAAAAAAAAAAAAAAAAAAAAAAAAAAAAAAAAAAAAAAAAFAAAADwAAAAAAAAAAAAAAAAAAAkUAAAAAQAAABQAAAAUAAAAFAAAAAEAAAAAAAAAZAAAAGQAAAAAAAAAZAAAAGQAAAAVAAAAYAAAAAAAAAAAAAAADwAAACADAAAAAAAAAAAAAAEAAACgMgAAVgcAAKr4//8BAAAAf39/AAEAAABkAAAAAAAAABQAAABAHwAAAAAAACYAAAAAAAAAwOD//wAAAAAmAAAAZAAAABYAAABMAAAAAAAAAAAAAAAEAAAAAAAAAAEAAACAgIAKAAAAACgAAAAoAAAAZAAAAGQAAAAAAAAAzMzMAAAAAABQAAAAUAAAAGQAAABkAAAAAAAAABcAAAAUAAAAAAAAANwIAAD/fwAA/38AAAAAAAAJAAAABAAAAAAAAAAMAAAAEAAAAAAAAAAAAAAAAAAAAAAAAAAeAAAAaAAAAAAAAAAAAAAAAAAAAAAAAAAAAAAAECcAABAnAAAAAAAAAAAAAAAAAAAAAAAAAAAAAAAAAAAAAAAAAAAAABQAAAAAAAAAwMD/AAAAAABkAAAAMgAAAAAAAABkAAAAAAAAAH9/fwAKAAAAHwAAAFQAAAC74OMF////AQAAAAAAAAAAAAAAAAAAAAAAAAAAAAAAAAAAAAAAAAAAAAAAAn9/fwCAgIADzMzMAMDA/wB/f38AAAAAAAAAAAAAAAAAAAAAAAAAAAAhAAAAGAAAABQAAACPGAAALgsAAOskAAC+DgAAECAAACYAAAAIAAAA//////////8="/>
               </a:ext>
             </a:extLst>
           </p:cNvSpPr>
@@ -19092,7 +19106,7 @@
           <p:cNvSpPr txBox="1">
             <a:extLst>
               <a:ext uri="smNativeData">
-                <pr:smNativeData xmlns:pr="smNativeData" val="SMDATA_13_BbpsXRMAAAAlAAAAEgAAAE8BAAAAkAAAAEgAAACQAAAASAAAAAAAAAAAAAAAAAAAAAEAAABQAAAAAAAAAAAA4D8AAAAAAADgPwAAAAAAAOA/AAAAAAAA4D8AAAAAAADgPwAAAAAAAOA/AAAAAAAA4D8AAAAAAADgPwAAAAAAAOA/AAAAAAAA4D8CAAAAjAAAAAAAAAAAAAAAu+DjDP///wgAAAAAAAAAAAAAAAAAAAAAAAAAAAAAAAAAAAAAZAAAAAEAAABAAAAAAAAAAAAAAAAAAAAAAAAAAAAAAAAAAAAAAAAAAAAAAAAAAAAAAAAAAAAAAAAAAAAAAAAAAAAAAAAAAAAAAAAAAAAAAAAAAAAAAAAAAAAAAAAAAAAAFAAAADwAAAAAAAAAAAAAAAAAAAkUAAAAAQAAABQAAAAUAAAAFAAAAAEAAAAAAAAAZAAAAGQAAAAAAAAAZAAAAGQAAAAVAAAAYAAAAAAAAAAAAAAADwAAACADAAAAAAAAAAAAAAEAAACgMgAAVgcAAKr4//8BAAAAf39/AAEAAABkAAAAAAAAABQAAABAHwAAAAAAACYAAAAAAAAAwOD//wAAAAAmAAAAZAAAABYAAABMAAAAAAAAAAAAAAAEAAAAAAAAAAEAAACAgIAKAAAAACgAAAAoAAAAZAAAAGQAAAAAAAAAzMzMAAAAAABQAAAAUAAAAGQAAABkAAAAAAAAABcAAAAUAAAAAAAAANwIAAD/fwAA/38AAAAAAAAJAAAABAAAAAAAAAAMAAAAEAAAAAAAAAAAAAAAAAAAAAAAAAAeAAAAaAAAAAAAAAAAAAAAAAAAAAAAAAAAAAAAECcAABAnAAAAAAAAAAAAAAAAAAAAAAAAAAAAAAAAAAAAAAAAAAAAABQAAAAAAAAAwMD/AAAAAABkAAAAMgAAAAAAAABkAAAAAAAAAH9/fwAKAAAAHwAAAFQAAAC74OMF////AQAAAAAAAAAAAAAAAAAAAAAAAAAAAAAAAAAAAAAAAAAAAAAAAn9/fwCAgIADzMzMAMDA/wB/f38AAAAAAAAAAAAAAAAAAAAAAAAAAAAhAAAAGAAAABQAAADzKwAADhcAAM80AABOGQAAECAAACYAAAAIAAAA//////////8="/>
+                <pr:smNativeData xmlns:pr="smNativeData" val="SMDATA_13_IrKAXRMAAAAlAAAAEgAAAE8BAAAAkAAAAEgAAACQAAAASAAAAAAAAAAAAAAAAAAAAAEAAABQAAAAAAAAAAAA4D8AAAAAAADgPwAAAAAAAOA/AAAAAAAA4D8AAAAAAADgPwAAAAAAAOA/AAAAAAAA4D8AAAAAAADgPwAAAAAAAOA/AAAAAAAA4D8CAAAAjAAAAAAAAAAAAAAAu+DjDP///wgAAAAAAAAAAAAAAAAAAAAAAAAAAAAAAAAAAAAAZAAAAAEAAABAAAAAAAAAAAAAAAAAAAAAAAAAAAAAAAAAAAAAAAAAAAAAAAAAAAAAAAAAAAAAAAAAAAAAAAAAAAAAAAAAAAAAAAAAAAAAAAAAAAAAAAAAAAAAAAAAAAAAFAAAADwAAAAAAAAAAAAAAAAAAAkUAAAAAQAAABQAAAAUAAAAFAAAAAEAAAAAAAAAZAAAAGQAAAAAAAAAZAAAAGQAAAAVAAAAYAAAAAAAAAAAAAAADwAAACADAAAAAAAAAAAAAAEAAACgMgAAVgcAAKr4//8BAAAAf39/AAEAAABkAAAAAAAAABQAAABAHwAAAAAAACYAAAAAAAAAwOD//wAAAAAmAAAAZAAAABYAAABMAAAAAAAAAAAAAAAEAAAAAAAAAAEAAACAgIAKAAAAACgAAAAoAAAAZAAAAGQAAAAAAAAAzMzMAAAAAABQAAAAUAAAAGQAAABkAAAAAAAAABcAAAAUAAAAAAAAANwIAAD/fwAA/38AAAAAAAAJAAAABAAAAAAAAAAMAAAAEAAAAAAAAAAAAAAAAAAAAAAAAAAeAAAAaAAAAAAAAAAAAAAAAAAAAAAAAAAAAAAAECcAABAnAAAAAAAAAAAAAAAAAAAAAAAAAAAAAAAAAAAAAAAAAAAAABQAAAAAAAAAwMD/AAAAAABkAAAAMgAAAAAAAABkAAAAAAAAAH9/fwAKAAAAHwAAAFQAAAC74OMF////AQAAAAAAAAAAAAAAAAAAAAAAAAAAAAAAAAAAAAAAAAAAAAAAAn9/fwCAgIADzMzMAMDA/wB/f38AAAAAAAAAAAAAAAAAAAAAAAAAAAAhAAAAGAAAABQAAADzKwAADhcAAM80AABOGQAAECAAACYAAAAIAAAA//////////8="/>
               </a:ext>
             </a:extLst>
           </p:cNvSpPr>
@@ -19138,7 +19152,7 @@
           <p:cNvSpPr txBox="1">
             <a:extLst>
               <a:ext uri="smNativeData">
-                <pr:smNativeData xmlns:pr="smNativeData" val="SMDATA_13_BbpsXRMAAAAlAAAAEgAAAE8BAAAAkAAAAEgAAACQAAAASAAAAAAAAAAAAAAAAAAAAAEAAABQAAAAAAAAAAAA4D8AAAAAAADgPwAAAAAAAOA/AAAAAAAA4D8AAAAAAADgPwAAAAAAAOA/AAAAAAAA4D8AAAAAAADgPwAAAAAAAOA/AAAAAAAA4D8CAAAAjAAAAAAAAAAAAAAAu+DjDP///wgAAAAAAAAAAAAAAAAAAAAAAAAAAAAAAAAAAAAAZAAAAAEAAABAAAAAAAAAAAAAAAAAAAAAAAAAAAAAAAAAAAAAAAAAAAAAAAAAAAAAAAAAAAAAAAAAAAAAAAAAAAAAAAAAAAAAAAAAAAAAAAAAAAAAAAAAAAAAAAAAAAAAFAAAADwAAAAAAAAAAAAAAAAAAAkUAAAAAQAAABQAAAAUAAAAFAAAAAEAAAAAAAAAZAAAAGQAAAAAAAAAZAAAAGQAAAAVAAAAYAAAAAAAAAAAAAAADwAAACADAAAAAAAAAAAAAAEAAACgMgAAVgcAAKr4//8BAAAAf39/AAEAAABkAAAAAAAAABQAAABAHwAAAAAAACYAAAAAAAAAwOD//wAAAAAmAAAAZAAAABYAAABMAAAAAAAAAAAAAAAEAAAAAAAAAAEAAACAgIAKAAAAACgAAAAoAAAAZAAAAGQAAAAAAAAAzMzMAAAAAABQAAAAUAAAAGQAAABkAAAAAAAAABcAAAAUAAAAAAAAANwIAAD/fwAA/38AAAAAAAAJAAAABAAAAAAAAAAMAAAAEAAAAAAAAAAAAAAAAAAAAAAAAAAeAAAAaAAAAAAAAAAAAAAAAAAAAAAAAAAAAAAAECcAABAnAAAAAAAAAAAAAAAAAAAAAAAAAAAAAAAAAAAAAAAAAAAAABQAAAAAAAAAwMD/AAAAAABkAAAAMgAAAAAAAABkAAAAAAAAAH9/fwAKAAAAHwAAAFQAAAC74OMF////AQAAAAAAAAAAAAAAAAAAAAAAAAAAAAAAAAAAAAAAAAAAAAAAAn9/fwCAgIADzMzMAMDA/wB/f38AAAAAAAAAAAAAAAAAAAAAAAAAAAAhAAAAGAAAABQAAACPGAAAMBoAAOskAADAHQAAECAAACYAAAAIAAAA//////////8="/>
+                <pr:smNativeData xmlns:pr="smNativeData" val="SMDATA_13_IrKAXRMAAAAlAAAAEgAAAE8BAAAAkAAAAEgAAACQAAAASAAAAAAAAAAAAAAAAAAAAAEAAABQAAAAAAAAAAAA4D8AAAAAAADgPwAAAAAAAOA/AAAAAAAA4D8AAAAAAADgPwAAAAAAAOA/AAAAAAAA4D8AAAAAAADgPwAAAAAAAOA/AAAAAAAA4D8CAAAAjAAAAAAAAAAAAAAAu+DjDP///wgAAAAAAAAAAAAAAAAAAAAAAAAAAAAAAAAAAAAAZAAAAAEAAABAAAAAAAAAAAAAAAAAAAAAAAAAAAAAAAAAAAAAAAAAAAAAAAAAAAAAAAAAAAAAAAAAAAAAAAAAAAAAAAAAAAAAAAAAAAAAAAAAAAAAAAAAAAAAAAAAAAAAFAAAADwAAAAAAAAAAAAAAAAAAAkUAAAAAQAAABQAAAAUAAAAFAAAAAEAAAAAAAAAZAAAAGQAAAAAAAAAZAAAAGQAAAAVAAAAYAAAAAAAAAAAAAAADwAAACADAAAAAAAAAAAAAAEAAACgMgAAVgcAAKr4//8BAAAAf39/AAEAAABkAAAAAAAAABQAAABAHwAAAAAAACYAAAAAAAAAwOD//wAAAAAmAAAAZAAAABYAAABMAAAAAAAAAAAAAAAEAAAAAAAAAAEAAACAgIAKAAAAACgAAAAoAAAAZAAAAGQAAAAAAAAAzMzMAAAAAABQAAAAUAAAAGQAAABkAAAAAAAAABcAAAAUAAAAAAAAANwIAAD/fwAA/38AAAAAAAAJAAAABAAAAAAAAAAMAAAAEAAAAAAAAAAAAAAAAAAAAAAAAAAeAAAAaAAAAAAAAAAAAAAAAAAAAAAAAAAAAAAAECcAABAnAAAAAAAAAAAAAAAAAAAAAAAAAAAAAAAAAAAAAAAAAAAAABQAAAAAAAAAwMD/AAAAAABkAAAAMgAAAAAAAABkAAAAAAAAAH9/fwAKAAAAHwAAAFQAAAC74OMF////AQAAAAAAAAAAAAAAAAAAAAAAAAAAAAAAAAAAAAAAAAAAAAAAAn9/fwCAgIADzMzMAMDA/wB/f38AAAAAAAAAAAAAAAAAAAAAAAAAAAAhAAAAGAAAABQAAACPGAAAMBoAAOskAADAHQAAECAAACYAAAAIAAAA//////////8="/>
               </a:ext>
             </a:extLst>
           </p:cNvSpPr>
@@ -19184,7 +19198,7 @@
           <p:cNvSpPr txBox="1">
             <a:extLst>
               <a:ext uri="smNativeData">
-                <pr:smNativeData xmlns:pr="smNativeData" val="SMDATA_13_BbpsXRMAAAAlAAAAEgAAAA8BAAAAkAAAAEgAAACQAAAASAAAAAAAAAAAAAAAAAAAAAEAAABQAAAAAAAAAAAA4D8AAAAAAADgPwAAAAAAAOA/AAAAAAAA4D8AAAAAAADgPwAAAAAAAOA/AAAAAAAA4D8AAAAAAADgPwAAAAAAAOA/AAAAAAAA4D8CAAAAjAAAAAAAAAAAAAAAu+DjDP///wgAAAAAAAAAAAAAAAAAAAAAAAAAAAAAAAAAAAAAZAAAAAEAAABAAAAAAAAAAAAAAAAAAAAAAAAAAAAAAAAAAAAAAAAAAAAAAAAAAAAAAAAAAAAAAAAAAAAAAAAAAAAAAAAAAAAAAAAAAAAAAAAAAAAAAAAAAAAAAAAAAAAAFAAAADwAAAAAAAAAAAAAAAAAAAkUAAAAAQAAABQAAAAUAAAAFAAAAAEAAAAAAAAAZAAAAGQAAAAAAAAAZAAAAGQAAAAVAAAAYAAAAAAAAAAAAAAADwAAACADAAAAAAAAAAAAAAEAAACgMgAAVgcAAKr4//8BAAAAf39/AAEAAABkAAAAAAAAABQAAABAHwAAAAAAACYAAAAAAAAAwOD//wAAAAAmAAAAZAAAABYAAABMAAAAAAAAAAAAAAAEAAAAAAAAAAEAAACAgIAKAAAAACgAAAAoAAAAZAAAAGQAAAAAAAAAzMzMAAAAAABQAAAAUAAAAGQAAABkAAAAAAAAABcAAAAUAAAAAAAAANwIAAD/fwAA/38AAAAAAAAJAAAABAAAAAAAAAAMAAAAEAAAAAAAAAAAAAAAAAAAAAAAAAAeAAAAaAAAAAAAAAAAAAAAAAAAAAAAAAAAAAAAECcAABAnAAAAAAAAAAAAAAAAAAAAAAAAAAAAAAAAAAAAAAAAAAAAABQAAAAAAAAAwMD/AAAAAABkAAAAMgAAAAAAAABkAAAAAAAAAH9/fwAKAAAAHwAAAFQAAAC74OMF////AQAAAAAAAAAAAAAAAAAAAAAAAAAAAAAAAAAAAAAAAAAAAAAAAn9/fwCAgIADzMzMAMDA/wB/f38AAAAAAAAAAAAAAAAAAAAAAAAAAAAhAAAAGAAAABQAAABzDwAAgxsAAB4YAADIJAAAEAAAACYAAAAIAAAA//////////8="/>
+                <pr:smNativeData xmlns:pr="smNativeData" val="SMDATA_13_IrKAXRMAAAAlAAAAEgAAAA8BAAAAkAAAAEgAAACQAAAASAAAAAAAAAAAAAAAAAAAAAEAAABQAAAAAAAAAAAA4D8AAAAAAADgPwAAAAAAAOA/AAAAAAAA4D8AAAAAAADgPwAAAAAAAOA/AAAAAAAA4D8AAAAAAADgPwAAAAAAAOA/AAAAAAAA4D8CAAAAjAAAAAAAAAAAAAAAu+DjDP///wgAAAAAAAAAAAAAAAAAAAAAAAAAAAAAAAAAAAAAZAAAAAEAAABAAAAAAAAAAAAAAAAAAAAAAAAAAAAAAAAAAAAAAAAAAAAAAAAAAAAAAAAAAAAAAAAAAAAAAAAAAAAAAAAAAAAAAAAAAAAAAAAAAAAAAAAAAAAAAAAAAAAAFAAAADwAAAAAAAAAAAAAAAAAAAkUAAAAAQAAABQAAAAUAAAAFAAAAAEAAAAAAAAAZAAAAGQAAAAAAAAAZAAAAGQAAAAVAAAAYAAAAAAAAAAAAAAADwAAACADAAAAAAAAAAAAAAEAAACgMgAAVgcAAKr4//8BAAAAf39/AAEAAABkAAAAAAAAABQAAABAHwAAAAAAACYAAAAAAAAAwOD//wAAAAAmAAAAZAAAABYAAABMAAAAAAAAAAAAAAAEAAAAAAAAAAEAAACAgIAKAAAAACgAAAAoAAAAZAAAAGQAAAAAAAAAzMzMAAAAAABQAAAAUAAAAGQAAABkAAAAAAAAABcAAAAUAAAAAAAAANwIAAD/fwAA/38AAAAAAAAJAAAABAAAAAAAAAAMAAAAEAAAAAAAAAAAAAAAAAAAAAAAAAAeAAAAaAAAAAAAAAAAAAAAAAAAAAAAAAAAAAAAECcAABAnAAAAAAAAAAAAAAAAAAAAAAAAAAAAAAAAAAAAAAAAAAAAABQAAAAAAAAAwMD/AAAAAABkAAAAMgAAAAAAAABkAAAAAAAAAH9/fwAKAAAAHwAAAFQAAAC74OMF////AQAAAAAAAAAAAAAAAAAAAAAAAAAAAAAAAAAAAAAAAAAAAAAAAn9/fwCAgIADzMzMAMDA/wB/f38AAAAAAAAAAAAAAAAAAAAAAAAAAAAhAAAAGAAAABQAAABzDwAAgxsAAB4YAADIJAAAEAAAACYAAAAIAAAA//////////8="/>
               </a:ext>
             </a:extLst>
           </p:cNvSpPr>
@@ -19230,7 +19244,7 @@
           <p:cNvSpPr txBox="1">
             <a:extLst>
               <a:ext uri="smNativeData">
-                <pr:smNativeData xmlns:pr="smNativeData" val="SMDATA_13_BbpsXRMAAAAlAAAAEgAAAA8BAAAAkAAAAEgAAACQAAAASAAAAAAAAAAAAAAAAAAAAAEAAABQAAAAAAAAAAAA4D8AAAAAAADgPwAAAAAAAOA/AAAAAAAA4D8AAAAAAADgPwAAAAAAAOA/AAAAAAAA4D8AAAAAAADgPwAAAAAAAOA/AAAAAAAA4D8CAAAAjAAAAAAAAAAAAAAAu+DjDP///wgAAAAAAAAAAAAAAAAAAAAAAAAAAAAAAAAAAAAAZAAAAAEAAABAAAAAAAAAAAAAAAAAAAAAAAAAAAAAAAAAAAAAAAAAAAAAAAAAAAAAAAAAAAAAAAAAAAAAAAAAAAAAAAAAAAAAAAAAAAAAAAAAAAAAAAAAAAAAAAAAAAAAFAAAADwAAAAAAAAAAAAAAAAAAAkUAAAAAQAAABQAAAAUAAAAFAAAAAEAAAAAAAAAZAAAAGQAAAAAAAAAZAAAAGQAAAAVAAAAYAAAAAAAAAAAAAAADwAAACADAAAAAAAAAAAAAAEAAACgMgAAVgcAAKr4//8BAAAAf39/AAEAAABkAAAAAAAAABQAAABAHwAAAAAAACYAAAAAAAAAwOD//wAAAAAmAAAAZAAAABYAAABMAAAAAAAAAAAAAAAEAAAAAAAAAAEAAACAgIAKAAAAACgAAAAoAAAAZAAAAGQAAAAAAAAAzMzMAAAAAABQAAAAUAAAAGQAAABkAAAAAAAAABcAAAAUAAAAAAAAANwIAAD/fwAA/38AAAAAAAAJAAAABAAAACmCAAAMAAAAEAAAAAAAAAAAAAAAAAAAAAAAAAAeAAAAaAAAAAAAAAAAAAAAAAAAAAAAAAAAAAAAECcAABAnAAAAAAAAAAAAAAAAAAAAAAAAAAAAAAAAAAAAAAAAAAAAABQAAAAAAAAAwMD/AAAAAABkAAAAMgAAAAAAAABkAAAAAAAAAH9/fwAKAAAAHwAAAFQAAAC74OMF////AQAAAAAAAAAAAAAAAAAAAAAAAAAAAAAAAAAAAAAAAAAAAAAAAn9/fwCAgIADzMzMAMDA/wB/f38AAAAAAAAAAAAAAAAAAAAAAAAAAAAhAAAAGAAAABQAAAAgJwAA9BsAAMouAAAiIgAAEAAAACYAAAAIAAAA//////////8="/>
+                <pr:smNativeData xmlns:pr="smNativeData" val="SMDATA_13_IrKAXRMAAAAlAAAAEgAAAA8BAAAAkAAAAEgAAACQAAAASAAAAAAAAAAAAAAAAAAAAAEAAABQAAAAAAAAAAAA4D8AAAAAAADgPwAAAAAAAOA/AAAAAAAA4D8AAAAAAADgPwAAAAAAAOA/AAAAAAAA4D8AAAAAAADgPwAAAAAAAOA/AAAAAAAA4D8CAAAAjAAAAAAAAAAAAAAAu+DjDP///wgAAAAAAAAAAAAAAAAAAAAAAAAAAAAAAAAAAAAAZAAAAAEAAABAAAAAAAAAAAAAAAAAAAAAAAAAAAAAAAAAAAAAAAAAAAAAAAAAAAAAAAAAAAAAAAAAAAAAAAAAAAAAAAAAAAAAAAAAAAAAAAAAAAAAAAAAAAAAAAAAAAAAFAAAADwAAAAAAAAAAAAAAAAAAAkUAAAAAQAAABQAAAAUAAAAFAAAAAEAAAAAAAAAZAAAAGQAAAAAAAAAZAAAAGQAAAAVAAAAYAAAAAAAAAAAAAAADwAAACADAAAAAAAAAAAAAAEAAACgMgAAVgcAAKr4//8BAAAAf39/AAEAAABkAAAAAAAAABQAAABAHwAAAAAAACYAAAAAAAAAwOD//wAAAAAmAAAAZAAAABYAAABMAAAAAAAAAAAAAAAEAAAAAAAAAAEAAACAgIAKAAAAACgAAAAoAAAAZAAAAGQAAAAAAAAAzMzMAAAAAABQAAAAUAAAAGQAAABkAAAAAAAAABcAAAAUAAAAAAAAANwIAAD/fwAA/38AAAAAAAAJAAAABAAAACmCAAAMAAAAEAAAAAAAAAAAAAAAAAAAAAAAAAAeAAAAaAAAAAAAAAAAAAAAAAAAAAAAAAAAAAAAECcAABAnAAAAAAAAAAAAAAAAAAAAAAAAAAAAAAAAAAAAAAAAAAAAABQAAAAAAAAAwMD/AAAAAABkAAAAMgAAAAAAAABkAAAAAAAAAH9/fwAKAAAAHwAAAFQAAAC74OMF////AQAAAAAAAAAAAAAAAAAAAAAAAAAAAAAAAAAAAAAAAAAAAAAAAn9/fwCAgIADzMzMAMDA/wB/f38AAAAAAAAAAAAAAAAAAAAAAAAAAAAhAAAAGAAAABQAAAAgJwAA9BsAAMouAAAiIgAAEAAAACYAAAAIAAAA//////////8="/>
               </a:ext>
             </a:extLst>
           </p:cNvSpPr>
@@ -19278,7 +19292,7 @@
           <p:cNvSpPr txBox="1">
             <a:extLst>
               <a:ext uri="smNativeData">
-                <pr:smNativeData xmlns:pr="smNativeData" val="SMDATA_13_BbpsXRMAAAAlAAAAEgAAAE8BAAAAkAAAAEgAAACQAAAASAAAAAAAAAAAAAAAAAAAAAEAAABQAAAAAAAAAAAA4D8AAAAAAADgPwAAAAAAAOA/AAAAAAAA4D8AAAAAAADgPwAAAAAAAOA/AAAAAAAA4D8AAAAAAADgPwAAAAAAAOA/AAAAAAAA4D8CAAAAjAAAAAAAAAAAAAAAu+DjDP///wgAAAAAAAAAAAAAAAAAAAAAAAAAAAAAAAAAAAAAZAAAAAEAAABAAAAAAAAAAAAAAAAAAAAAAAAAAAAAAAAAAAAAAAAAAAAAAAAAAAAAAAAAAAAAAAAAAAAAAAAAAAAAAAAAAAAAAAAAAAAAAAAAAAAAAAAAAAAAAAAAAAAAFAAAADwAAAAAAAAAAAAAAAAAAAkUAAAAAQAAABQAAAAUAAAAFAAAAAEAAAAAAAAAZAAAAGQAAAAAAAAAZAAAAGQAAAAVAAAAYAAAAAAAAAAAAAAADwAAACADAAAAAAAAAAAAAAEAAACgMgAAVgcAAKr4//8BAAAAf39/AAEAAABkAAAAAAAAABQAAABAHwAAAAAAACYAAAAAAAAAwOD//wAAAAAmAAAAZAAAABYAAABMAAAAAAAAAAAAAAAEAAAAAAAAAAEAAACAgIAKAAAAACgAAAAoAAAAZAAAAGQAAAAAAAAAzMzMAAAAAABQAAAAUAAAAGQAAABkAAAAAAAAABcAAAAUAAAAAAAAANwIAAD/fwAA/38AAAAAAAAJAAAABAAAADEALgAMAAAAEAAAAAAAAAAAAAAAAAAAAAAAAAAeAAAAaAAAAAAAAAAAAAAAAAAAAAAAAAAAAAAAECcAABAnAAAAAAAAAAAAAAAAAAAAAAAAAAAAAAAAAAAAAAAAAAAAABQAAAAAAAAAwMD/AAAAAABkAAAAMgAAAAAAAABkAAAAAAAAAH9/fwAKAAAAHwAAAFQAAAC74OMF////AQAAAAAAAAAAAAAAAAAAAAAAAAAAAAAAAAAAAAAAAAAAAAAAAn9/fwCAgIADzMzMAMDA/wB/f38AAAAAAAAAAAAAAAAAAAAAAAAAAAAhAAAAGAAAABQAAABqBAAA4QgAABY0AAAhCwAAECAAACYAAAAIAAAA//////////8="/>
+                <pr:smNativeData xmlns:pr="smNativeData" val="SMDATA_13_IrKAXRMAAAAlAAAAEgAAAE8BAAAAkAAAAEgAAACQAAAASAAAAAAAAAAAAAAAAAAAAAEAAABQAAAAAAAAAAAA4D8AAAAAAADgPwAAAAAAAOA/AAAAAAAA4D8AAAAAAADgPwAAAAAAAOA/AAAAAAAA4D8AAAAAAADgPwAAAAAAAOA/AAAAAAAA4D8CAAAAjAAAAAAAAAAAAAAAu+DjDP///wgAAAAAAAAAAAAAAAAAAAAAAAAAAAAAAAAAAAAAZAAAAAEAAABAAAAAAAAAAAAAAAAAAAAAAAAAAAAAAAAAAAAAAAAAAAAAAAAAAAAAAAAAAAAAAAAAAAAAAAAAAAAAAAAAAAAAAAAAAAAAAAAAAAAAAAAAAAAAAAAAAAAAFAAAADwAAAAAAAAAAAAAAAAAAAkUAAAAAQAAABQAAAAUAAAAFAAAAAEAAAAAAAAAZAAAAGQAAAAAAAAAZAAAAGQAAAAVAAAAYAAAAAAAAAAAAAAADwAAACADAAAAAAAAAAAAAAEAAACgMgAAVgcAAKr4//8BAAAAf39/AAEAAABkAAAAAAAAABQAAABAHwAAAAAAACYAAAAAAAAAwOD//wAAAAAmAAAAZAAAABYAAABMAAAAAAAAAAAAAAAEAAAAAAAAAAEAAACAgIAKAAAAACgAAAAoAAAAZAAAAGQAAAAAAAAAzMzMAAAAAABQAAAAUAAAAGQAAABkAAAAAAAAABcAAAAUAAAAAAAAANwIAAD/fwAA/38AAAAAAAAJAAAABAAAADEALgAMAAAAEAAAAAAAAAAAAAAAAAAAAAAAAAAeAAAAaAAAAAAAAAAAAAAAAAAAAAAAAAAAAAAAECcAABAnAAAAAAAAAAAAAAAAAAAAAAAAAAAAAAAAAAAAAAAAAAAAABQAAAAAAAAAwMD/AAAAAABkAAAAMgAAAAAAAABkAAAAAAAAAH9/fwAKAAAAHwAAAFQAAAC74OMF////AQAAAAAAAAAAAAAAAAAAAAAAAAAAAAAAAAAAAAAAAAAAAAAAAn9/fwCAgIADzMzMAMDA/wB/f38AAAAAAAAAAAAAAAAAAAAAAAAAAAAhAAAAGAAAABQAAABqBAAA4QgAABY0AAAhCwAAECAAACYAAAAIAAAA//////////8="/>
               </a:ext>
             </a:extLst>
           </p:cNvSpPr>
@@ -19324,7 +19338,7 @@
           <p:cNvSpPr>
             <a:extLst>
               <a:ext uri="smNativeData">
-                <pr:smNativeData xmlns:pr="smNativeData" val="SMDATA_13_BbpsXRMAAAAlAAAAZAAAAA8BAAAAkAAAAEgAAACQAAAASAAAAAAAAAAAAAAAAAAAAAEAAABQAAAAAAAAAAAA4D8AAAAAAADgPwAAAAAAAOA/AAAAAAAA4D8AAAAAAADgPwAAAAAAAOA/AAAAAAAA4D8AAAAAAADgPwAAAAAAAOA/AAAAAAAA4D8CAAAAjAAAAAEAAAAAAAAAHh4eAP///wgAAAAAAAAAAAAAAAAAAAAAAAAAAAAAAAAAAAAAZAAAAAEAAABAAAAAAAAAAAAAAAAAAAAAAAAAAAAAAAAAAAAAAAAAAAAAAAAAAAAAAAAAAAAAAAAAAAAAAAAAAAAAAAAAAAAAAAAAAAAAAAAAAAAAAAAAAAAAAAAAAAAAFAAAADwAAAAAAAAAAAAAAAAAAAkAAAAAAQAAAAAAAAAAAAAAAAAAAAAAAAAAAAAAZAAAAGQAAAAAAAAAZAAAAGQAAAAVAAAAYAAAAAAAAAAAAAAADwAAACADAAAAAAAAAAAAAAEAAACgMgAAAAAAAAAAAAABAAAAf39/AAEAAABkAAAAAAAAABQAAABAHwAAAAAAACYAAAAAAAAAwOD//wAAAAAmAAAAZAAAABYAAABMAAAAAAAAAAAAAAAEAAAAAAAAAAEAAACAgIAKAAAAACgAAAAoAAAAZAAAAGQAAAAAAAAAzMzMAAAAAABQAAAAUAAAAGQAAABkAAAAAAAAABcAAAAUAAAAAAAAAAAAAAD/fwAA/38AAAAAAAAJAAAABAAAAAAAAAAMAAAAEAAAAAAAAAAAAAAAAAAAAAAAAAAeAAAAaAAAAAAAAAAAAAAAAAAAAAAAAAAAAAAAECcAABAnAAAAAAAAAAAAAAAAAAAAAAAAAAAAAAAAAAAAAAAAAAAAABQAAAAAAAAAwMD/AAAAAABkAAAAMgAAAAAAAABkAAAAAAAAAH9/fwAKAAAAHwAAAFQAAAAeHh4A////AQAAAAAAAAAAAAAAAAAAAAAAAAAAAAAAAAAAAAAAAAAAAAAAAn9/fwCAgIADzMzMAMDA/wB/f38AAAAAAAAAAAAAAAAAAAAAAAAAAAAhAAAAGAAAABQAAAAAAAAAZQcAAEA4AAC4CAAAEAAAACYAAAAIAAAA//////////8="/>
+                <pr:smNativeData xmlns:pr="smNativeData" val="SMDATA_13_IrKAXRMAAAAlAAAAZAAAAA8BAAAAkAAAAEgAAACQAAAASAAAAAAAAAAAAAAAAAAAAAEAAABQAAAAAAAAAAAA4D8AAAAAAADgPwAAAAAAAOA/AAAAAAAA4D8AAAAAAADgPwAAAAAAAOA/AAAAAAAA4D8AAAAAAADgPwAAAAAAAOA/AAAAAAAA4D8CAAAAjAAAAAEAAAAAAAAAHh4eAP///wgAAAAAAAAAAAAAAAAAAAAAAAAAAAAAAAAAAAAAZAAAAAEAAABAAAAAAAAAAAAAAAAAAAAAAAAAAAAAAAAAAAAAAAAAAAAAAAAAAAAAAAAAAAAAAAAAAAAAAAAAAAAAAAAAAAAAAAAAAAAAAAAAAAAAAAAAAAAAAAAAAAAAFAAAADwAAAAAAAAAAAAAAAAAAAkAAAAAAQAAAAAAAAAAAAAAAAAAAAAAAAAAAAAAZAAAAGQAAAAAAAAAZAAAAGQAAAAVAAAAYAAAAAAAAAAAAAAADwAAACADAAAAAAAAAAAAAAEAAACgMgAAAAAAAAAAAAABAAAAf39/AAEAAABkAAAAAAAAABQAAABAHwAAAAAAACYAAAAAAAAAwOD//wAAAAAmAAAAZAAAABYAAABMAAAAAAAAAAAAAAAEAAAAAAAAAAEAAACAgIAKAAAAACgAAAAoAAAAZAAAAGQAAAAAAAAAzMzMAAAAAABQAAAAUAAAAGQAAABkAAAAAAAAABcAAAAUAAAAAAAAAAAAAAD/fwAA/38AAAAAAAAJAAAABAAAAAAAAAAMAAAAEAAAAAAAAAAAAAAAAAAAAAAAAAAeAAAAaAAAAAAAAAAAAAAAAAAAAAAAAAAAAAAAECcAABAnAAAAAAAAAAAAAAAAAAAAAAAAAAAAAAAAAAAAAAAAAAAAABQAAAAAAAAAwMD/AAAAAABkAAAAMgAAAAAAAABkAAAAAAAAAH9/fwAKAAAAHwAAAFQAAAAeHh4A////AQAAAAAAAAAAAAAAAAAAAAAAAAAAAAAAAAAAAAAAAAAAAAAAAn9/fwCAgIADzMzMAMDA/wB/f38AAAAAAAAAAAAAAAAAAAAAAAAAAAAhAAAAGAAAABQAAAAAAAAAZQcAAEA4AAC4CAAAEAAAACYAAAAIAAAA//////////8="/>
               </a:ext>
             </a:extLst>
           </p:cNvSpPr>
@@ -19354,7 +19368,7 @@
             <a:picLocks noChangeAspect="1"/>
             <a:extLst>
               <a:ext uri="smNativeData">
-                <pr:smNativeData xmlns:pr="smNativeData" val="SMDATA_15_BbpsXRMAAAAlAAAAEQAAAC8BAAAAkAAAAEgAAACQAAAASAAAAAAAAAAAAAAAAAAAAAEAAABQAAAAAAAAAAAA4D8AAAAAAADgPwAAAAAAAOA/AAAAAAAA4D8AAAAAAADgPwAAAAAAAOA/AAAAAAAA4D8AAAAAAADgPwAAAAAAAOA/AAAAAAAA4D8CAAAAjAAAAAAAAAAAAAAAu+DjDP///wgAAAAAAAAAAAAAAAAAAAAAAAAAAAAAAAAAAAAAZAAAAAEAAABAAAAAAAAAAAAAAAAAAAAAAAAAAAAAAAAAAAAAAAAAAAAAAAAAAAAAAAAAAAAAAAAAAAAAAAAAAAAAAAAAAAAAAAAAAAAAAAAAAAAAAAAAAAAAAAAAAAAAFAAAADwAAAAAAAAAAAAAAAAAAAkUAAAAAQAAABQAAAAUAAAAFAAAAAEAAAAAAAAAZAAAAGQAAAAAAAAAZAAAAGQAAAAVAAAAYAAAAAAAAAAAAAAADwAAACADAAAAAAAAAAAAAAEAAACgMgAAVgcAAKr4//8BAAAAf39/AAEAAABkAAAAAAAAABQAAABAHwAAAAAAACYAAAAAAAAAwOD//wAAAAAmAAAAZAAAABYAAABMAAAAAAAAAAAAAAAEAAAAAAAAAAEAAACAgIAKAAAAACgAAAAoAAAAZAAAAGQAAAAAAAAAzMzMAAAAAABQAAAAUAAAAGQAAABkAAAAAAAAAAcAAAA4AAAAAAAAAAAAAAAAAAAA////AAAAAAAAAAAAAAAAAAAAAAAAAAAAAAAAAAAAAABkAAAAZAAAAAAAAAAjAAAABAAAAGQAAAAXAAAAFAAAAAAAAAAAAAAA/38AAP9/AAAAAAAACQAAAAQAAAC4ubb5DAAAABAAAAAAAAAAAAAAAAAAAAAAAAAAHgAAAGgAAAAAAAAAAAAAAAAAAAAAAAAAAAAAABAnAAAQJwAAAAAAAAAAAAAAAAAAAAAAAAAAAAAAAAAAAAAAAAAAAAAUAAAAAAAAAMDA/wAAAAAAZAAAADIAAAAAAAAAZAAAAAAAAAB/f38ACgAAAB8AAABUAAAAu+DjBf///wEAAAAAAAAAAAAAAAAAAAAAAAAAAAAAAAAAAAAAAAAAAAAAAAJ/f38AgICAA8zMzADAwP8Af39/AAAAAAAAAAAAAAAAAP///wAAAAAAIQAAABgAAAAUAAAAJwUAAK0HAABpNQAATyoAABAAAAAmAAAACAAAAP//////////"/>
+                <pr:smNativeData xmlns:pr="smNativeData" val="SMDATA_15_IrKAXRMAAAAlAAAAEQAAAC8BAAAAkAAAAEgAAACQAAAASAAAAAAAAAAAAAAAAAAAAAEAAABQAAAAAAAAAAAA4D8AAAAAAADgPwAAAAAAAOA/AAAAAAAA4D8AAAAAAADgPwAAAAAAAOA/AAAAAAAA4D8AAAAAAADgPwAAAAAAAOA/AAAAAAAA4D8CAAAAjAAAAAAAAAAAAAAAu+DjDP///wgAAAAAAAAAAAAAAAAAAAAAAAAAAAAAAAAAAAAAZAAAAAEAAABAAAAAAAAAAAAAAAAAAAAAAAAAAAAAAAAAAAAAAAAAAAAAAAAAAAAAAAAAAAAAAAAAAAAAAAAAAAAAAAAAAAAAAAAAAAAAAAAAAAAAAAAAAAAAAAAAAAAAFAAAADwAAAAAAAAAAAAAAAAAAAkUAAAAAQAAABQAAAAUAAAAFAAAAAEAAAAAAAAAZAAAAGQAAAAAAAAAZAAAAGQAAAAVAAAAYAAAAAAAAAAAAAAADwAAACADAAAAAAAAAAAAAAEAAACgMgAAVgcAAKr4//8BAAAAf39/AAEAAABkAAAAAAAAABQAAABAHwAAAAAAACYAAAAAAAAAwOD//wAAAAAmAAAAZAAAABYAAABMAAAAAAAAAAAAAAAEAAAAAAAAAAEAAACAgIAKAAAAACgAAAAoAAAAZAAAAGQAAAAAAAAAzMzMAAAAAABQAAAAUAAAAGQAAABkAAAAAAAAAAcAAAA4AAAAAAAAAAAAAAAAAAAA////AAAAAAAAAAAAAAAAAAAAAAAAAAAAAAAAAAAAAABkAAAAZAAAAAAAAAAjAAAABAAAAGQAAAAXAAAAFAAAAAAAAAAAAAAA/38AAP9/AAAAAAAACQAAAAQAAAC4ubb5DAAAABAAAAAAAAAAAAAAAAAAAAAAAAAAHgAAAGgAAAAAAAAAAAAAAAAAAAAAAAAAAAAAABAnAAAQJwAAAAAAAAAAAAAAAAAAAAAAAAAAAAAAAAAAAAAAAAAAAAAUAAAAAAAAAMDA/wAAAAAAZAAAADIAAAAAAAAAZAAAAAAAAAB/f38ACgAAAB8AAABUAAAAu+DjBf///wEAAAAAAAAAAAAAAAAAAAAAAAAAAAAAAAAAAAAAAAAAAAAAAAJ/f38AgICAA8zMzADAwP8Af39/AAAAAAAAAAAAAAAAAP///wAAAAAAIQAAABgAAAAUAAAAJwUAAK0HAABpNQAATyoAABAAAAAmAAAACAAAAP//////////"/>
               </a:ext>
             </a:extLst>
           </p:cNvPicPr>
@@ -19427,7 +19441,7 @@
           <p:cNvSpPr>
             <a:extLst>
               <a:ext uri="smNativeData">
-                <pr:smNativeData xmlns:pr="smNativeData" val="SMDATA_13_BbpsXRMAAAAlAAAAZAAAAA8BAAAAkAAAAEgAAACQAAAASAAAAAAAAAABAAAAAAAAAAEAAABQAAAAAAAAAAAA4D8AAAAAAADgPwAAAAAAAOA/AAAAAAAA4D8AAAAAAADgPwAAAAAAAOA/AAAAAAAA4D8AAAAAAADgPwAAAAAAAOA/AAAAAAAA4D8CAAAAjAAAAAAAAAAAAAAAu+DjDP///wgAAAAAAAAAAAAAAAAAAAAAAAAAAAAAAAAAAAAAZAAAAAEAAABAAAAAAAAAAAAAAAAAAAAAAAAAAAAAAAAAAAAAAAAAAAAAAAAAAAAAAAAAAAAAAAAAAAAAAAAAAAAAAAAAAAAAAAAAAAAAAAAAAAAAAAAAAAAAAAAAAAAAFAAAADwAAAAAAAAAAAAAAAAAAAkUAAAAAQAAABQAAAAUAAAAFAAAAAEAAAAAAAAAZAAAAGQAAAAAAAAAZAAAAGQAAAAVAAAAYAAAAAAAAAAAAAAADwAAACADAAAAAAAAAAAAAAEAAACgMgAAVgcAAKr4//8BAAAAf39/AAEAAABkAAAAAAAAABQAAABAHwAAAAAAACYAAAAAAAAAwOD//wAAAAAmAAAAZAAAABYAAABMAAAAAAAAAAAAAAAEAAAAAAAAAAEAAACAgIAKAAAAACgAAAAoAAAAZAAAAGQAAAAAAAAAzMzMAAAAAABQAAAAUAAAAGQAAABkAAAAAAAAABcAAAAUAAAAAAAAAAAAAAD/fwAA/38AAAAAAAAJAAAABAAAAON4AAAMAAAAEAAAAAAAAAAAAAAAAAAAAAAAAAAeAAAAaAAAAAAAAAAAAAAAAAAAAAAAAAAAAAAAECcAABAnAAAAAAAAAAAAAAAAAAAAAAAAAAAAAAAAAAAAAAAAAAAAABQAAAAAAAAAwMD/AAAAAABkAAAAMgAAAAAAAABkAAAAAAAAAH9/fwAKAAAAHwAAAFQAAAC74OMF////AQAAAAAAAAAAAAAAAAAAAAAAAAAAAAAAAAAAAAAAAAAAAAAAAn9/fwCAgIADzMzMAMDA/wB/f38AAAAAAAAAAAAAAAAAAAAAAAAAAAAhAAAAGAAAABQAAABqBAAAiAMAABY0AAAoBwAAEAAAACYAAAAIAAAA//////////8="/>
+                <pr:smNativeData xmlns:pr="smNativeData" val="SMDATA_13_IrKAXRMAAAAlAAAAZAAAAA8BAAAAkAAAAEgAAACQAAAASAAAAAAAAAABAAAAAAAAAAEAAABQAAAAAAAAAAAA4D8AAAAAAADgPwAAAAAAAOA/AAAAAAAA4D8AAAAAAADgPwAAAAAAAOA/AAAAAAAA4D8AAAAAAADgPwAAAAAAAOA/AAAAAAAA4D8CAAAAjAAAAAAAAAAAAAAAu+DjDP///wgAAAAAAAAAAAAAAAAAAAAAAAAAAAAAAAAAAAAAZAAAAAEAAABAAAAAAAAAAAAAAAAAAAAAAAAAAAAAAAAAAAAAAAAAAAAAAAAAAAAAAAAAAAAAAAAAAAAAAAAAAAAAAAAAAAAAAAAAAAAAAAAAAAAAAAAAAAAAAAAAAAAAFAAAADwAAAAAAAAAAAAAAAAAAAkUAAAAAQAAABQAAAAUAAAAFAAAAAEAAAAAAAAAZAAAAGQAAAAAAAAAZAAAAGQAAAAVAAAAYAAAAAAAAAAAAAAADwAAACADAAAAAAAAAAAAAAEAAACgMgAAVgcAAKr4//8BAAAAf39/AAEAAABkAAAAAAAAABQAAABAHwAAAAAAACYAAAAAAAAAwOD//wAAAAAmAAAAZAAAABYAAABMAAAAAAAAAAAAAAAEAAAAAAAAAAEAAACAgIAKAAAAACgAAAAoAAAAZAAAAGQAAAAAAAAAzMzMAAAAAABQAAAAUAAAAGQAAABkAAAAAAAAABcAAAAUAAAAAAAAAAAAAAD/fwAA/38AAAAAAAAJAAAABAAAAON4AAAMAAAAEAAAAAAAAAAAAAAAAAAAAAAAAAAeAAAAaAAAAAAAAAAAAAAAAAAAAAAAAAAAAAAAECcAABAnAAAAAAAAAAAAAAAAAAAAAAAAAAAAAAAAAAAAAAAAAAAAABQAAAAAAAAAwMD/AAAAAABkAAAAMgAAAAAAAABkAAAAAAAAAH9/fwAKAAAAHwAAAFQAAAC74OMF////AQAAAAAAAAAAAAAAAAAAAAAAAAAAAAAAAAAAAAAAAAAAAAAAAn9/fwCAgIADzMzMAMDA/wB/f38AAAAAAAAAAAAAAAAAAAAAAAAAAAAhAAAAGAAAABQAAABqBAAAiAMAABY0AAAoBwAAEAAAACYAAAAIAAAA//////////8="/>
               </a:ext>
             </a:extLst>
           </p:cNvSpPr>
@@ -19473,7 +19487,7 @@
           <p:cNvSpPr txBox="1">
             <a:extLst>
               <a:ext uri="smNativeData">
-                <pr:smNativeData xmlns:pr="smNativeData" val="SMDATA_13_BbpsXRMAAAAlAAAAEgAAAE8BAAAAkAAAAEgAAACQAAAASAAAAAAAAAAAAAAAAAAAAAEAAABQAAAAAAAAAAAA4D8AAAAAAADgPwAAAAAAAOA/AAAAAAAA4D8AAAAAAADgPwAAAAAAAOA/AAAAAAAA4D8AAAAAAADgPwAAAAAAAOA/AAAAAAAA4D8CAAAAjAAAAAAAAAAAAAAAu+DjDP///wgAAAAAAAAAAAAAAAAAAAAAAAAAAAAAAAAAAAAAZAAAAAEAAABAAAAAAAAAAAAAAAAAAAAAAAAAAAAAAAAAAAAAAAAAAAAAAAAAAAAAAAAAAAAAAAAAAAAAAAAAAAAAAAAAAAAAAAAAAAAAAAAAAAAAAAAAAAAAAAAAAAAAFAAAADwAAAAAAAAAAAAAAAAAAAkUAAAAAQAAABQAAAAUAAAAFAAAAAEAAAAAAAAAZAAAAGQAAAAAAAAAZAAAAGQAAAAVAAAAYAAAAAAAAAAAAAAADwAAACADAAAAAAAAAAAAAAEAAACgMgAAVgcAAKr4//8BAAAAf39/AAEAAABkAAAAAAAAABQAAABAHwAAAAAAACYAAAAAAAAAwOD//wAAAAAmAAAAZAAAABYAAABMAAAAAAAAAAAAAAAEAAAAAAAAAAEAAACAgIAKAAAAACgAAAAoAAAAZAAAAGQAAAAAAAAAzMzMAAAAAABQAAAAUAAAAGQAAABkAAAAAAAAABcAAAAUAAAAAAAAANwIAAD/fwAA/38AAAAAAAAJAAAABAAAAAAAAAAMAAAAEAAAAAAAAAAAAAAAAAAAAAAAAAAeAAAAaAAAAAAAAAAAAAAAAAAAAAAAAAAAAAAAECcAABAnAAAAAAAAAAAAAAAAAAAAAAAAAAAAAAAAAAAAAAAAAAAAABQAAAAAAAAAwMD/AAAAAABkAAAAMgAAAAAAAABkAAAAAAAAAH9/fwAKAAAAHwAAAFQAAAC74OMF////AQAAAAAAAAAAAAAAAAAAAAAAAAAAAAAAAAAAAAAAAAAAAAAAAn9/fwCAgIADzMzMAMDA/wB/f38AAAAAAAAAAAAAAAAAAAAAAAAAAAAhAAAAGAAAABQAAADfBgAAtg4AALsPAACmEgAAECAAACYAAAAIAAAA//////////8="/>
+                <pr:smNativeData xmlns:pr="smNativeData" val="SMDATA_13_IrKAXRMAAAAlAAAAEgAAAE8BAAAAkAAAAEgAAACQAAAASAAAAAAAAAAAAAAAAAAAAAEAAABQAAAAAAAAAAAA4D8AAAAAAADgPwAAAAAAAOA/AAAAAAAA4D8AAAAAAADgPwAAAAAAAOA/AAAAAAAA4D8AAAAAAADgPwAAAAAAAOA/AAAAAAAA4D8CAAAAjAAAAAAAAAAAAAAAu+DjDP///wgAAAAAAAAAAAAAAAAAAAAAAAAAAAAAAAAAAAAAZAAAAAEAAABAAAAAAAAAAAAAAAAAAAAAAAAAAAAAAAAAAAAAAAAAAAAAAAAAAAAAAAAAAAAAAAAAAAAAAAAAAAAAAAAAAAAAAAAAAAAAAAAAAAAAAAAAAAAAAAAAAAAAFAAAADwAAAAAAAAAAAAAAAAAAAkUAAAAAQAAABQAAAAUAAAAFAAAAAEAAAAAAAAAZAAAAGQAAAAAAAAAZAAAAGQAAAAVAAAAYAAAAAAAAAAAAAAADwAAACADAAAAAAAAAAAAAAEAAACgMgAAVgcAAKr4//8BAAAAf39/AAEAAABkAAAAAAAAABQAAABAHwAAAAAAACYAAAAAAAAAwOD//wAAAAAmAAAAZAAAABYAAABMAAAAAAAAAAAAAAAEAAAAAAAAAAEAAACAgIAKAAAAACgAAAAoAAAAZAAAAGQAAAAAAAAAzMzMAAAAAABQAAAAUAAAAGQAAABkAAAAAAAAABcAAAAUAAAAAAAAANwIAAD/fwAA/38AAAAAAAAJAAAABAAAAAAAAAAMAAAAEAAAAAAAAAAAAAAAAAAAAAAAAAAeAAAAaAAAAAAAAAAAAAAAAAAAAAAAAAAAAAAAECcAABAnAAAAAAAAAAAAAAAAAAAAAAAAAAAAAAAAAAAAAAAAAAAAABQAAAAAAAAAwMD/AAAAAABkAAAAMgAAAAAAAABkAAAAAAAAAH9/fwAKAAAAHwAAAFQAAAC74OMF////AQAAAAAAAAAAAAAAAAAAAAAAAAAAAAAAAAAAAAAAAAAAAAAAAn9/fwCAgIADzMzMAMDA/wB/f38AAAAAAAAAAAAAAAAAAAAAAAAAAAAhAAAAGAAAABQAAADfBgAAtg4AALsPAACmEgAAECAAACYAAAAIAAAA//////////8="/>
               </a:ext>
             </a:extLst>
           </p:cNvSpPr>
@@ -19519,7 +19533,7 @@
           <p:cNvSpPr txBox="1">
             <a:extLst>
               <a:ext uri="smNativeData">
-                <pr:smNativeData xmlns:pr="smNativeData" val="SMDATA_13_BbpsXRMAAAAlAAAAEgAAAE8BAAAAkAAAAEgAAACQAAAASAAAAAAAAAAAAAAAAAAAAAEAAABQAAAAAAAAAAAA4D8AAAAAAADgPwAAAAAAAOA/AAAAAAAA4D8AAAAAAADgPwAAAAAAAOA/AAAAAAAA4D8AAAAAAADgPwAAAAAAAOA/AAAAAAAA4D8CAAAAjAAAAAAAAAAAAAAAu+DjDP///wgAAAAAAAAAAAAAAAAAAAAAAAAAAAAAAAAAAAAAZAAAAAEAAABAAAAAAAAAAAAAAAAAAAAAAAAAAAAAAAAAAAAAAAAAAAAAAAAAAAAAAAAAAAAAAAAAAAAAAAAAAAAAAAAAAAAAAAAAAAAAAAAAAAAAAAAAAAAAAAAAAAAAFAAAADwAAAAAAAAAAAAAAAAAAAkUAAAAAQAAABQAAAAUAAAAFAAAAAEAAAAAAAAAZAAAAGQAAAAAAAAAZAAAAGQAAAAVAAAAYAAAAAAAAAAAAAAADwAAACADAAAAAAAAAAAAAAEAAACgMgAAVgcAAKr4//8BAAAAf39/AAEAAABkAAAAAAAAABQAAABAHwAAAAAAACYAAAAAAAAAwOD//wAAAAAmAAAAZAAAABYAAABMAAAAAAAAAAAAAAAEAAAAAAAAAAEAAACAgIAKAAAAACgAAAAoAAAAZAAAAGQAAAAAAAAAzMzMAAAAAABQAAAAUAAAAGQAAABkAAAAAAAAABcAAAAUAAAAAAAAANwIAAD/fwAA/38AAAAAAAAJAAAABAAAAAAAAAAMAAAAEAAAAAAAAAAAAAAAAAAAAAAAAAAeAAAAaAAAAAAAAAAAAAAAAAAAAAAAAAAAAAAAECcAABAnAAAAAAAAAAAAAAAAAAAAAAAAAAAAAAAAAAAAAAAAAAAAABQAAAAAAAAAwMD/AAAAAABkAAAAMgAAAAAAAABkAAAAAAAAAH9/fwAKAAAAHwAAAFQAAAC74OMF////AQAAAAAAAAAAAAAAAAAAAAAAAAAAAAAAAAAAAAAAAAAAAAAAAn9/fwCAgIADzMzMAMDA/wB/f38AAAAAAAAAAAAAAAAAAAAAAAAAAAAhAAAAGAAAABQAAABcFAAAohIAADgdAADSGAAAECAAACYAAAAIAAAA//////////8="/>
+                <pr:smNativeData xmlns:pr="smNativeData" val="SMDATA_13_IrKAXRMAAAAlAAAAEgAAAE8BAAAAkAAAAEgAAACQAAAASAAAAAAAAAAAAAAAAAAAAAEAAABQAAAAAAAAAAAA4D8AAAAAAADgPwAAAAAAAOA/AAAAAAAA4D8AAAAAAADgPwAAAAAAAOA/AAAAAAAA4D8AAAAAAADgPwAAAAAAAOA/AAAAAAAA4D8CAAAAjAAAAAAAAAAAAAAAu+DjDP///wgAAAAAAAAAAAAAAAAAAAAAAAAAAAAAAAAAAAAAZAAAAAEAAABAAAAAAAAAAAAAAAAAAAAAAAAAAAAAAAAAAAAAAAAAAAAAAAAAAAAAAAAAAAAAAAAAAAAAAAAAAAAAAAAAAAAAAAAAAAAAAAAAAAAAAAAAAAAAAAAAAAAAFAAAADwAAAAAAAAAAAAAAAAAAAkUAAAAAQAAABQAAAAUAAAAFAAAAAEAAAAAAAAAZAAAAGQAAAAAAAAAZAAAAGQAAAAVAAAAYAAAAAAAAAAAAAAADwAAACADAAAAAAAAAAAAAAEAAACgMgAAVgcAAKr4//8BAAAAf39/AAEAAABkAAAAAAAAABQAAABAHwAAAAAAACYAAAAAAAAAwOD//wAAAAAmAAAAZAAAABYAAABMAAAAAAAAAAAAAAAEAAAAAAAAAAEAAACAgIAKAAAAACgAAAAoAAAAZAAAAGQAAAAAAAAAzMzMAAAAAABQAAAAUAAAAGQAAABkAAAAAAAAABcAAAAUAAAAAAAAANwIAAD/fwAA/38AAAAAAAAJAAAABAAAAAAAAAAMAAAAEAAAAAAAAAAAAAAAAAAAAAAAAAAeAAAAaAAAAAAAAAAAAAAAAAAAAAAAAAAAAAAAECcAABAnAAAAAAAAAAAAAAAAAAAAAAAAAAAAAAAAAAAAAAAAAAAAABQAAAAAAAAAwMD/AAAAAABkAAAAMgAAAAAAAABkAAAAAAAAAH9/fwAKAAAAHwAAAFQAAAC74OMF////AQAAAAAAAAAAAAAAAAAAAAAAAAAAAAAAAAAAAAAAAAAAAAAAAn9/fwCAgIADzMzMAMDA/wB/f38AAAAAAAAAAAAAAAAAAAAAAAAAAAAhAAAAGAAAABQAAABcFAAAohIAADgdAADSGAAAECAAACYAAAAIAAAA//////////8="/>
               </a:ext>
             </a:extLst>
           </p:cNvSpPr>
@@ -19574,7 +19588,7 @@
           <p:cNvSpPr txBox="1">
             <a:extLst>
               <a:ext uri="smNativeData">
-                <pr:smNativeData xmlns:pr="smNativeData" val="SMDATA_13_BbpsXRMAAAAlAAAAEgAAAA8BAAAAkAAAAEgAAACQAAAASAAAAAAAAAAAAAAAAAAAAAEAAABQAAAAAAAAAAAA4D8AAAAAAADgPwAAAAAAAOA/AAAAAAAA4D8AAAAAAADgPwAAAAAAAOA/AAAAAAAA4D8AAAAAAADgPwAAAAAAAOA/AAAAAAAA4D8CAAAAjAAAAAAAAAAAAAAAu+DjDP///wgAAAAAAAAAAAAAAAAAAAAAAAAAAAAAAAAAAAAAZAAAAAEAAABAAAAAAAAAAAAAAAAAAAAAAAAAAAAAAAAAAAAAAAAAAAAAAAAAAAAAAAAAAAAAAAAAAAAAAAAAAAAAAAAAAAAAAAAAAAAAAAAAAAAAAAAAAAAAAAAAAAAAFAAAADwAAAAAAAAAAAAAAAAAAAkUAAAAAQAAABQAAAAUAAAAFAAAAAEAAAAAAAAAZAAAAGQAAAAAAAAAZAAAAGQAAAAVAAAAYAAAAAAAAAAAAAAADwAAACADAAAAAAAAAAAAAAEAAACgMgAAVgcAAKr4//8BAAAAf39/AAEAAABkAAAAAAAAABQAAABAHwAAAAAAACYAAAAAAAAAwOD//wAAAAAmAAAAZAAAABYAAABMAAAAAAAAAAAAAAAEAAAAAAAAAAEAAACAgIAKAAAAACgAAAAoAAAAZAAAAGQAAAAAAAAAzMzMAAAAAABQAAAAUAAAAGQAAABkAAAAAAAAABcAAAAUAAAAAAAAANwIAAD/fwAA/38AAAAAAAAJAAAABAAAAAAAAAAMAAAAEAAAAAAAAAAAAAAAAAAAAAAAAAAeAAAAaAAAAAAAAAAAAAAAAAAAAAAAAAAAAAAAECcAABAnAAAAAAAAAAAAAAAAAAAAAAAAAAAAAAAAAAAAAAAAAAAAABQAAAAAAAAAwMD/AAAAAABkAAAAMgAAAAAAAABkAAAAAAAAAH9/fwAKAAAAHwAAAFQAAAC74OMF////AQAAAAAAAAAAAAAAAAAAAAAAAAAAAAAAAAAAAAAAAAAAAAAAAn9/fwCAgIADzMzMAMDA/wB/f38AAAAAAAAAAAAAAAAAAAAAAAAAAAAhAAAAGAAAABQAAAD7HwAArxIAANcoAACKFwAAEAAAACYAAAAIAAAA//////////8="/>
+                <pr:smNativeData xmlns:pr="smNativeData" val="SMDATA_13_IrKAXRMAAAAlAAAAEgAAAA8BAAAAkAAAAEgAAACQAAAASAAAAAAAAAAAAAAAAAAAAAEAAABQAAAAAAAAAAAA4D8AAAAAAADgPwAAAAAAAOA/AAAAAAAA4D8AAAAAAADgPwAAAAAAAOA/AAAAAAAA4D8AAAAAAADgPwAAAAAAAOA/AAAAAAAA4D8CAAAAjAAAAAAAAAAAAAAAu+DjDP///wgAAAAAAAAAAAAAAAAAAAAAAAAAAAAAAAAAAAAAZAAAAAEAAABAAAAAAAAAAAAAAAAAAAAAAAAAAAAAAAAAAAAAAAAAAAAAAAAAAAAAAAAAAAAAAAAAAAAAAAAAAAAAAAAAAAAAAAAAAAAAAAAAAAAAAAAAAAAAAAAAAAAAFAAAADwAAAAAAAAAAAAAAAAAAAkUAAAAAQAAABQAAAAUAAAAFAAAAAEAAAAAAAAAZAAAAGQAAAAAAAAAZAAAAGQAAAAVAAAAYAAAAAAAAAAAAAAADwAAACADAAAAAAAAAAAAAAEAAACgMgAAVgcAAKr4//8BAAAAf39/AAEAAABkAAAAAAAAABQAAABAHwAAAAAAACYAAAAAAAAAwOD//wAAAAAmAAAAZAAAABYAAABMAAAAAAAAAAAAAAAEAAAAAAAAAAEAAACAgIAKAAAAACgAAAAoAAAAZAAAAGQAAAAAAAAAzMzMAAAAAABQAAAAUAAAAGQAAABkAAAAAAAAABcAAAAUAAAAAAAAANwIAAD/fwAA/38AAAAAAAAJAAAABAAAAAAAAAAMAAAAEAAAAAAAAAAAAAAAAAAAAAAAAAAeAAAAaAAAAAAAAAAAAAAAAAAAAAAAAAAAAAAAECcAABAnAAAAAAAAAAAAAAAAAAAAAAAAAAAAAAAAAAAAAAAAAAAAABQAAAAAAAAAwMD/AAAAAABkAAAAMgAAAAAAAABkAAAAAAAAAH9/fwAKAAAAHwAAAFQAAAC74OMF////AQAAAAAAAAAAAAAAAAAAAAAAAAAAAAAAAAAAAAAAAAAAAAAAAn9/fwCAgIADzMzMAMDA/wB/f38AAAAAAAAAAAAAAAAAAAAAAAAAAAAhAAAAGAAAABQAAAD7HwAArxIAANcoAACKFwAAEAAAACYAAAAIAAAA//////////8="/>
               </a:ext>
             </a:extLst>
           </p:cNvSpPr>
@@ -19629,7 +19643,7 @@
           <p:cNvSpPr txBox="1">
             <a:extLst>
               <a:ext uri="smNativeData">
-                <pr:smNativeData xmlns:pr="smNativeData" val="SMDATA_13_BbpsXRMAAAAlAAAAEgAAAA8BAAAAkAAAAEgAAACQAAAASAAAAAAAAAAAAAAAAAAAAAEAAABQAAAAAAAAAAAA4D8AAAAAAADgPwAAAAAAAOA/AAAAAAAA4D8AAAAAAADgPwAAAAAAAOA/AAAAAAAA4D8AAAAAAADgPwAAAAAAAOA/AAAAAAAA4D8CAAAAjAAAAAAAAAAAAAAAu+DjDP///wgAAAAAAAAAAAAAAAAAAAAAAAAAAAAAAAAAAAAAZAAAAAEAAABAAAAAAAAAAAAAAAAAAAAAAAAAAAAAAAAAAAAAAAAAAAAAAAAAAAAAAAAAAAAAAAAAAAAAAAAAAAAAAAAAAAAAAAAAAAAAAAAAAAAAAAAAAAAAAAAAAAAAFAAAADwAAAAAAAAAAAAAAAAAAAkUAAAAAQAAABQAAAAUAAAAFAAAAAEAAAAAAAAAZAAAAGQAAAAAAAAAZAAAAGQAAAAVAAAAYAAAAAAAAAAAAAAADwAAACADAAAAAAAAAAAAAAEAAACgMgAAVgcAAKr4//8BAAAAf39/AAEAAABkAAAAAAAAABQAAABAHwAAAAAAACYAAAAAAAAAwOD//wAAAAAmAAAAZAAAABYAAABMAAAAAAAAAAAAAAAEAAAAAAAAAAEAAACAgIAKAAAAACgAAAAoAAAAZAAAAGQAAAAAAAAAzMzMAAAAAABQAAAAUAAAAGQAAABkAAAAAAAAABcAAAAUAAAAAAAAANwIAAD/fwAA/38AAAAAAAAJAAAABAAAAAAAAAAMAAAAEAAAAAAAAAAAAAAAAAAAAAAAAAAeAAAAaAAAAAAAAAAAAAAAAAAAAAAAAAAAAAAAECcAABAnAAAAAAAAAAAAAAAAAAAAAAAAAAAAAAAAAAAAAAAAAAAAABQAAAAAAAAAwMD/AAAAAABkAAAAMgAAAAAAAABkAAAAAAAAAH9/fwAKAAAAHwAAAFQAAAC74OMF////AQAAAAAAAAAAAAAAAAAAAAAAAAAAAAAAAAAAAAAAAAAAAAAAAn9/fwCAgIADzMzMAMDA/wB/f38AAAAAAAAAAAAAAAAAAAAAAAAAAAAhAAAAGAAAABQAAADRKgAA1w4AABY0AACYFAAAEAAAACYAAAAIAAAA//////////8="/>
+                <pr:smNativeData xmlns:pr="smNativeData" val="SMDATA_13_IrKAXRMAAAAlAAAAEgAAAA8BAAAAkAAAAEgAAACQAAAASAAAAAAAAAAAAAAAAAAAAAEAAABQAAAAAAAAAAAA4D8AAAAAAADgPwAAAAAAAOA/AAAAAAAA4D8AAAAAAADgPwAAAAAAAOA/AAAAAAAA4D8AAAAAAADgPwAAAAAAAOA/AAAAAAAA4D8CAAAAjAAAAAAAAAAAAAAAu+DjDP///wgAAAAAAAAAAAAAAAAAAAAAAAAAAAAAAAAAAAAAZAAAAAEAAABAAAAAAAAAAAAAAAAAAAAAAAAAAAAAAAAAAAAAAAAAAAAAAAAAAAAAAAAAAAAAAAAAAAAAAAAAAAAAAAAAAAAAAAAAAAAAAAAAAAAAAAAAAAAAAAAAAAAAFAAAADwAAAAAAAAAAAAAAAAAAAkUAAAAAQAAABQAAAAUAAAAFAAAAAEAAAAAAAAAZAAAAGQAAAAAAAAAZAAAAGQAAAAVAAAAYAAAAAAAAAAAAAAADwAAACADAAAAAAAAAAAAAAEAAACgMgAAVgcAAKr4//8BAAAAf39/AAEAAABkAAAAAAAAABQAAABAHwAAAAAAACYAAAAAAAAAwOD//wAAAAAmAAAAZAAAABYAAABMAAAAAAAAAAAAAAAEAAAAAAAAAAEAAACAgIAKAAAAACgAAAAoAAAAZAAAAGQAAAAAAAAAzMzMAAAAAABQAAAAUAAAAGQAAABkAAAAAAAAABcAAAAUAAAAAAAAANwIAAD/fwAA/38AAAAAAAAJAAAABAAAAAAAAAAMAAAAEAAAAAAAAAAAAAAAAAAAAAAAAAAeAAAAaAAAAAAAAAAAAAAAAAAAAAAAAAAAAAAAECcAABAnAAAAAAAAAAAAAAAAAAAAAAAAAAAAAAAAAAAAAAAAAAAAABQAAAAAAAAAwMD/AAAAAABkAAAAMgAAAAAAAABkAAAAAAAAAH9/fwAKAAAAHwAAAFQAAAC74OMF////AQAAAAAAAAAAAAAAAAAAAAAAAAAAAAAAAAAAAAAAAAAAAAAAAn9/fwCAgIADzMzMAMDA/wB/f38AAAAAAAAAAAAAAAAAAAAAAAAAAAAhAAAAGAAAABQAAADRKgAA1w4AABY0AACYFAAAEAAAACYAAAAIAAAA//////////8="/>
               </a:ext>
             </a:extLst>
           </p:cNvSpPr>
@@ -19681,7 +19695,7 @@
           <p:cNvSpPr txBox="1">
             <a:extLst>
               <a:ext uri="smNativeData">
-                <pr:smNativeData xmlns:pr="smNativeData" val="SMDATA_13_BbpsXRMAAAAlAAAAEgAAAA8BAAAAkAAAAEgAAACQAAAASAAAAAAAAAAAAAAAAAAAAAEAAABQAAAAAAAAAAAA4D8AAAAAAADgPwAAAAAAAOA/AAAAAAAA4D8AAAAAAADgPwAAAAAAAOA/AAAAAAAA4D8AAAAAAADgPwAAAAAAAOA/AAAAAAAA4D8CAAAAjAAAAAAAAAAAAAAAu+DjDP///wgAAAAAAAAAAAAAAAAAAAAAAAAAAAAAAAAAAAAAZAAAAAEAAABAAAAAAAAAAAAAAAAAAAAAAAAAAAAAAAAAAAAAAAAAAAAAAAAAAAAAAAAAAAAAAAAAAAAAAAAAAAAAAAAAAAAAAAAAAAAAAAAAAAAAAAAAAAAAAAAAAAAAFAAAADwAAAAAAAAAAAAAAAAAAAkUAAAAAQAAABQAAAAUAAAAFAAAAAEAAAAAAAAAZAAAAGQAAAAAAAAAZAAAAGQAAAAVAAAAYAAAAAAAAAAAAAAADwAAACADAAAAAAAAAAAAAAEAAACgMgAAVgcAAKr4//8BAAAAf39/AAEAAABkAAAAAAAAABQAAABAHwAAAAAAACYAAAAAAAAAwOD//wAAAAAmAAAAZAAAABYAAABMAAAAAAAAAAAAAAAEAAAAAAAAAAEAAACAgIAKAAAAACgAAAAoAAAAZAAAAGQAAAAAAAAAzMzMAAAAAABQAAAAUAAAAGQAAABkAAAAAAAAABcAAAAUAAAAAAAAANwIAAD/fwAA/38AAAAAAAAJAAAABAAAAAAAAAAMAAAAEAAAAAAAAAAAAAAAAAAAAAAAAAAeAAAAaAAAAAAAAAAAAAAAAAAAAAAAAAAAAAAAECcAABAnAAAAAAAAAAAAAAAAAAAAAAAAAAAAAAAAAAAAAAAAAAAAABQAAAAAAAAAwMD/AAAAAABkAAAAMgAAAAAAAABkAAAAAAAAAH9/fwAKAAAAHwAAAFQAAAC74OMF////AQAAAAAAAAAAAAAAAAAAAAAAAAAAAAAAAAAAAAAAAAAAAAAAAn9/fwCAgIADzMzMAMDA/wB/f38AAAAAAAAAAAAAAAAAAAAAAAAAAAAhAAAAGAAAABQAAACjGQAAqyAAAMojAABUJwAAEAAAACYAAAAIAAAA//////////8="/>
+                <pr:smNativeData xmlns:pr="smNativeData" val="SMDATA_13_IrKAXRMAAAAlAAAAEgAAAA8BAAAAkAAAAEgAAACQAAAASAAAAAAAAAAAAAAAAAAAAAEAAABQAAAAAAAAAAAA4D8AAAAAAADgPwAAAAAAAOA/AAAAAAAA4D8AAAAAAADgPwAAAAAAAOA/AAAAAAAA4D8AAAAAAADgPwAAAAAAAOA/AAAAAAAA4D8CAAAAjAAAAAAAAAAAAAAAu+DjDP///wgAAAAAAAAAAAAAAAAAAAAAAAAAAAAAAAAAAAAAZAAAAAEAAABAAAAAAAAAAAAAAAAAAAAAAAAAAAAAAAAAAAAAAAAAAAAAAAAAAAAAAAAAAAAAAAAAAAAAAAAAAAAAAAAAAAAAAAAAAAAAAAAAAAAAAAAAAAAAAAAAAAAAFAAAADwAAAAAAAAAAAAAAAAAAAkUAAAAAQAAABQAAAAUAAAAFAAAAAEAAAAAAAAAZAAAAGQAAAAAAAAAZAAAAGQAAAAVAAAAYAAAAAAAAAAAAAAADwAAACADAAAAAAAAAAAAAAEAAACgMgAAVgcAAKr4//8BAAAAf39/AAEAAABkAAAAAAAAABQAAABAHwAAAAAAACYAAAAAAAAAwOD//wAAAAAmAAAAZAAAABYAAABMAAAAAAAAAAAAAAAEAAAAAAAAAAEAAACAgIAKAAAAACgAAAAoAAAAZAAAAGQAAAAAAAAAzMzMAAAAAABQAAAAUAAAAGQAAABkAAAAAAAAABcAAAAUAAAAAAAAANwIAAD/fwAA/38AAAAAAAAJAAAABAAAAAAAAAAMAAAAEAAAAAAAAAAAAAAAAAAAAAAAAAAeAAAAaAAAAAAAAAAAAAAAAAAAAAAAAAAAAAAAECcAABAnAAAAAAAAAAAAAAAAAAAAAAAAAAAAAAAAAAAAAAAAAAAAABQAAAAAAAAAwMD/AAAAAABkAAAAMgAAAAAAAABkAAAAAAAAAH9/fwAKAAAAHwAAAFQAAAC74OMF////AQAAAAAAAAAAAAAAAAAAAAAAAAAAAAAAAAAAAAAAAAAAAAAAAn9/fwCAgIADzMzMAMDA/wB/f38AAAAAAAAAAAAAAAAAAAAAAAAAAAAhAAAAGAAAABQAAACjGQAAqyAAAMojAABUJwAAEAAAACYAAAAIAAAA//////////8="/>
               </a:ext>
             </a:extLst>
           </p:cNvSpPr>
@@ -19771,7 +19785,7 @@
           <p:cNvSpPr txBox="1">
             <a:extLst>
               <a:ext uri="smNativeData">
-                <pr:smNativeData xmlns:pr="smNativeData" val="SMDATA_13_BbpsXRMAAAAlAAAAEgAAAE8BAAAAkAAAAEgAAACQAAAASAAAAAAAAAAAAAAAAAAAAAEAAABQAAAAAAAAAAAA4D8AAAAAAADgPwAAAAAAAOA/AAAAAAAA4D8AAAAAAADgPwAAAAAAAOA/AAAAAAAA4D8AAAAAAADgPwAAAAAAAOA/AAAAAAAA4D8CAAAAjAAAAAAAAAAAAAAAu+DjDP///wgAAAAAAAAAAAAAAAAAAAAAAAAAAAAAAAAAAAAAZAAAAAEAAABAAAAAAAAAAAAAAAAAAAAAAAAAAAAAAAAAAAAAAAAAAAAAAAAAAAAAAAAAAAAAAAAAAAAAAAAAAAAAAAAAAAAAAAAAAAAAAAAAAAAAAAAAAAAAAAAAAAAAFAAAADwAAAAAAAAAAAAAAAAAAAkUAAAAAQAAABQAAAAUAAAAFAAAAAEAAAAAAAAAZAAAAGQAAAAAAAAAZAAAAGQAAAAVAAAAYAAAAAAAAAAAAAAADwAAACADAAAAAAAAAAAAAAEAAACgMgAAVgcAAKr4//8BAAAAf39/AAEAAABkAAAAAAAAABQAAABAHwAAAAAAACYAAAAAAAAAwOD//wAAAAAmAAAAZAAAABYAAABMAAAAAAAAAAAAAAAEAAAAAAAAAAEAAACAgIAKAAAAACgAAAAoAAAAZAAAAGQAAAAAAAAAzMzMAAAAAABQAAAAUAAAAGQAAABkAAAAAAAAABcAAAAUAAAAAAAAANwIAAD/fwAA/38AAAAAAAAJAAAABAAAAAAAAA8MAAAAEAAAAAAAAAAAAAAAAAAAAAAAAAAeAAAAaAAAAAAAAAAAAAAAAAAAAAAAAAAAAAAAECcAABAnAAAAAAAAAAAAAAAAAAAAAAAAAAAAAAAAAAAAAAAAAAAAABQAAAAAAAAAwMD/AAAAAABkAAAAMgAAAAAAAABkAAAAAAAAAH9/fwAKAAAAHwAAAFQAAAC74OMF////AQAAAAAAAAAAAAAAAAAAAAAAAAAAAAAAAAAAAAAAAAAAAAAAAn9/fwCAgIADzMzMAMDA/wB/f38AAAAAAAAAAAAAAAAAAAAAAAAAAAAhAAAAGAAAABQAAAAVDQAAqBYAAGkSAADoGAAAECAAACYAAAAIAAAA//////////8="/>
+                <pr:smNativeData xmlns:pr="smNativeData" val="SMDATA_13_IrKAXRMAAAAlAAAAEgAAAE8BAAAAkAAAAEgAAACQAAAASAAAAAAAAAAAAAAAAAAAAAEAAABQAAAAAAAAAAAA4D8AAAAAAADgPwAAAAAAAOA/AAAAAAAA4D8AAAAAAADgPwAAAAAAAOA/AAAAAAAA4D8AAAAAAADgPwAAAAAAAOA/AAAAAAAA4D8CAAAAjAAAAAAAAAAAAAAAu+DjDP///wgAAAAAAAAAAAAAAAAAAAAAAAAAAAAAAAAAAAAAZAAAAAEAAABAAAAAAAAAAAAAAAAAAAAAAAAAAAAAAAAAAAAAAAAAAAAAAAAAAAAAAAAAAAAAAAAAAAAAAAAAAAAAAAAAAAAAAAAAAAAAAAAAAAAAAAAAAAAAAAAAAAAAFAAAADwAAAAAAAAAAAAAAAAAAAkUAAAAAQAAABQAAAAUAAAAFAAAAAEAAAAAAAAAZAAAAGQAAAAAAAAAZAAAAGQAAAAVAAAAYAAAAAAAAAAAAAAADwAAACADAAAAAAAAAAAAAAEAAACgMgAAVgcAAKr4//8BAAAAf39/AAEAAABkAAAAAAAAABQAAABAHwAAAAAAACYAAAAAAAAAwOD//wAAAAAmAAAAZAAAABYAAABMAAAAAAAAAAAAAAAEAAAAAAAAAAEAAACAgIAKAAAAACgAAAAoAAAAZAAAAGQAAAAAAAAAzMzMAAAAAABQAAAAUAAAAGQAAABkAAAAAAAAABcAAAAUAAAAAAAAANwIAAD/fwAA/38AAAAAAAAJAAAABAAAAAAAAA8MAAAAEAAAAAAAAAAAAAAAAAAAAAAAAAAeAAAAaAAAAAAAAAAAAAAAAAAAAAAAAAAAAAAAECcAABAnAAAAAAAAAAAAAAAAAAAAAAAAAAAAAAAAAAAAAAAAAAAAABQAAAAAAAAAwMD/AAAAAABkAAAAMgAAAAAAAABkAAAAAAAAAH9/fwAKAAAAHwAAAFQAAAC74OMF////AQAAAAAAAAAAAAAAAAAAAAAAAAAAAAAAAAAAAAAAAAAAAAAAAn9/fwCAgIADzMzMAMDA/wB/f38AAAAAAAAAAAAAAAAAAAAAAAAAAAAhAAAAGAAAABQAAAAVDQAAqBYAAGkSAADoGAAAECAAACYAAAAIAAAA//////////8="/>
               </a:ext>
             </a:extLst>
           </p:cNvSpPr>
@@ -19817,7 +19831,7 @@
           <p:cNvSpPr txBox="1">
             <a:extLst>
               <a:ext uri="smNativeData">
-                <pr:smNativeData xmlns:pr="smNativeData" val="SMDATA_13_BbpsXRMAAAAlAAAAEgAAAE8BAAAAkAAAAEgAAACQAAAASAAAAAAAAAAAAAAAAAAAAAEAAABQAAAAAAAAAAAA4D8AAAAAAADgPwAAAAAAAOA/AAAAAAAA4D8AAAAAAADgPwAAAAAAAOA/AAAAAAAA4D8AAAAAAADgPwAAAAAAAOA/AAAAAAAA4D8CAAAAjAAAAAAAAAAAAAAAu+DjDP///wgAAAAAAAAAAAAAAAAAAAAAAAAAAAAAAAAAAAAAZAAAAAEAAABAAAAAAAAAAAAAAAAAAAAAAAAAAAAAAAAAAAAAAAAAAAAAAAAAAAAAAAAAAAAAAAAAAAAAAAAAAAAAAAAAAAAAAAAAAAAAAAAAAAAAAAAAAAAAAAAAAAAAFAAAADwAAAAAAAAAAAAAAAAAAAkUAAAAAQAAABQAAAAUAAAAFAAAAAEAAAAAAAAAZAAAAGQAAAAAAAAAZAAAAGQAAAAVAAAAYAAAAAAAAAAAAAAADwAAACADAAAAAAAAAAAAAAEAAACgMgAAVgcAAKr4//8BAAAAf39/AAEAAABkAAAAAAAAABQAAABAHwAAAAAAACYAAAAAAAAAwOD//wAAAAAmAAAAZAAAABYAAABMAAAAAAAAAAAAAAAEAAAAAAAAAAEAAACAgIAKAAAAACgAAAAoAAAAZAAAAGQAAAAAAAAAzMzMAAAAAABQAAAAUAAAAGQAAABkAAAAAAAAABcAAAAUAAAAAAAAANwIAAD/fwAA/38AAAAAAAAJAAAABAAAAAAAAAAMAAAAEAAAAAAAAAAAAAAAAAAAAAAAAAAeAAAAaAAAAAAAAAAAAAAAAAAAAAAAAAAAAAAAECcAABAnAAAAAAAAAAAAAAAAAAAAAAAAAAAAAAAAAAAAAAAAAAAAABQAAAAAAAAAwMD/AAAAAABkAAAAMgAAAAAAAABkAAAAAAAAAH9/fwAKAAAAHwAAAFQAAAC74OMF////AQAAAAAAAAAAAAAAAAAAAAAAAAAAAAAAAAAAAAAAAAAAAAAAAn9/fwCAgIADzMzMAMDA/wB/f38AAAAAAAAAAAAAAAAAAAAAAAAAAAAhAAAAGAAAABQAAACPGAAALgsAAOskAAC+DgAAECAAACYAAAAIAAAA//////////8="/>
+                <pr:smNativeData xmlns:pr="smNativeData" val="SMDATA_13_IrKAXRMAAAAlAAAAEgAAAE8BAAAAkAAAAEgAAACQAAAASAAAAAAAAAAAAAAAAAAAAAEAAABQAAAAAAAAAAAA4D8AAAAAAADgPwAAAAAAAOA/AAAAAAAA4D8AAAAAAADgPwAAAAAAAOA/AAAAAAAA4D8AAAAAAADgPwAAAAAAAOA/AAAAAAAA4D8CAAAAjAAAAAAAAAAAAAAAu+DjDP///wgAAAAAAAAAAAAAAAAAAAAAAAAAAAAAAAAAAAAAZAAAAAEAAABAAAAAAAAAAAAAAAAAAAAAAAAAAAAAAAAAAAAAAAAAAAAAAAAAAAAAAAAAAAAAAAAAAAAAAAAAAAAAAAAAAAAAAAAAAAAAAAAAAAAAAAAAAAAAAAAAAAAAFAAAADwAAAAAAAAAAAAAAAAAAAkUAAAAAQAAABQAAAAUAAAAFAAAAAEAAAAAAAAAZAAAAGQAAAAAAAAAZAAAAGQAAAAVAAAAYAAAAAAAAAAAAAAADwAAACADAAAAAAAAAAAAAAEAAACgMgAAVgcAAKr4//8BAAAAf39/AAEAAABkAAAAAAAAABQAAABAHwAAAAAAACYAAAAAAAAAwOD//wAAAAAmAAAAZAAAABYAAABMAAAAAAAAAAAAAAAEAAAAAAAAAAEAAACAgIAKAAAAACgAAAAoAAAAZAAAAGQAAAAAAAAAzMzMAAAAAABQAAAAUAAAAGQAAABkAAAAAAAAABcAAAAUAAAAAAAAANwIAAD/fwAA/38AAAAAAAAJAAAABAAAAAAAAAAMAAAAEAAAAAAAAAAAAAAAAAAAAAAAAAAeAAAAaAAAAAAAAAAAAAAAAAAAAAAAAAAAAAAAECcAABAnAAAAAAAAAAAAAAAAAAAAAAAAAAAAAAAAAAAAAAAAAAAAABQAAAAAAAAAwMD/AAAAAABkAAAAMgAAAAAAAABkAAAAAAAAAH9/fwAKAAAAHwAAAFQAAAC74OMF////AQAAAAAAAAAAAAAAAAAAAAAAAAAAAAAAAAAAAAAAAAAAAAAAAn9/fwCAgIADzMzMAMDA/wB/f38AAAAAAAAAAAAAAAAAAAAAAAAAAAAhAAAAGAAAABQAAACPGAAALgsAAOskAAC+DgAAECAAACYAAAAIAAAA//////////8="/>
               </a:ext>
             </a:extLst>
           </p:cNvSpPr>
@@ -19863,7 +19877,7 @@
           <p:cNvSpPr txBox="1">
             <a:extLst>
               <a:ext uri="smNativeData">
-                <pr:smNativeData xmlns:pr="smNativeData" val="SMDATA_13_BbpsXRMAAAAlAAAAEgAAAE8BAAAAkAAAAEgAAACQAAAASAAAAAAAAAAAAAAAAAAAAAEAAABQAAAAAAAAAAAA4D8AAAAAAADgPwAAAAAAAOA/AAAAAAAA4D8AAAAAAADgPwAAAAAAAOA/AAAAAAAA4D8AAAAAAADgPwAAAAAAAOA/AAAAAAAA4D8CAAAAjAAAAAAAAAAAAAAAu+DjDP///wgAAAAAAAAAAAAAAAAAAAAAAAAAAAAAAAAAAAAAZAAAAAEAAABAAAAAAAAAAAAAAAAAAAAAAAAAAAAAAAAAAAAAAAAAAAAAAAAAAAAAAAAAAAAAAAAAAAAAAAAAAAAAAAAAAAAAAAAAAAAAAAAAAAAAAAAAAAAAAAAAAAAAFAAAADwAAAAAAAAAAAAAAAAAAAkUAAAAAQAAABQAAAAUAAAAFAAAAAEAAAAAAAAAZAAAAGQAAAAAAAAAZAAAAGQAAAAVAAAAYAAAAAAAAAAAAAAADwAAACADAAAAAAAAAAAAAAEAAACgMgAAVgcAAKr4//8BAAAAf39/AAEAAABkAAAAAAAAABQAAABAHwAAAAAAACYAAAAAAAAAwOD//wAAAAAmAAAAZAAAABYAAABMAAAAAAAAAAAAAAAEAAAAAAAAAAEAAACAgIAKAAAAACgAAAAoAAAAZAAAAGQAAAAAAAAAzMzMAAAAAABQAAAAUAAAAGQAAABkAAAAAAAAABcAAAAUAAAAAAAAANwIAAD/fwAA/38AAAAAAAAJAAAABAAAAAAAAAAMAAAAEAAAAAAAAAAAAAAAAAAAAAAAAAAeAAAAaAAAAAAAAAAAAAAAAAAAAAAAAAAAAAAAECcAABAnAAAAAAAAAAAAAAAAAAAAAAAAAAAAAAAAAAAAAAAAAAAAABQAAAAAAAAAwMD/AAAAAABkAAAAMgAAAAAAAABkAAAAAAAAAH9/fwAKAAAAHwAAAFQAAAC74OMF////AQAAAAAAAAAAAAAAAAAAAAAAAAAAAAAAAAAAAAAAAAAAAAAAAn9/fwCAgIADzMzMAMDA/wB/f38AAAAAAAAAAAAAAAAAAAAAAAAAAAAhAAAAGAAAABQAAADzKwAADhcAAM80AABOGQAAECAAACYAAAAIAAAA//////////8="/>
+                <pr:smNativeData xmlns:pr="smNativeData" val="SMDATA_13_IrKAXRMAAAAlAAAAEgAAAE8BAAAAkAAAAEgAAACQAAAASAAAAAAAAAAAAAAAAAAAAAEAAABQAAAAAAAAAAAA4D8AAAAAAADgPwAAAAAAAOA/AAAAAAAA4D8AAAAAAADgPwAAAAAAAOA/AAAAAAAA4D8AAAAAAADgPwAAAAAAAOA/AAAAAAAA4D8CAAAAjAAAAAAAAAAAAAAAu+DjDP///wgAAAAAAAAAAAAAAAAAAAAAAAAAAAAAAAAAAAAAZAAAAAEAAABAAAAAAAAAAAAAAAAAAAAAAAAAAAAAAAAAAAAAAAAAAAAAAAAAAAAAAAAAAAAAAAAAAAAAAAAAAAAAAAAAAAAAAAAAAAAAAAAAAAAAAAAAAAAAAAAAAAAAFAAAADwAAAAAAAAAAAAAAAAAAAkUAAAAAQAAABQAAAAUAAAAFAAAAAEAAAAAAAAAZAAAAGQAAAAAAAAAZAAAAGQAAAAVAAAAYAAAAAAAAAAAAAAADwAAACADAAAAAAAAAAAAAAEAAACgMgAAVgcAAKr4//8BAAAAf39/AAEAAABkAAAAAAAAABQAAABAHwAAAAAAACYAAAAAAAAAwOD//wAAAAAmAAAAZAAAABYAAABMAAAAAAAAAAAAAAAEAAAAAAAAAAEAAACAgIAKAAAAACgAAAAoAAAAZAAAAGQAAAAAAAAAzMzMAAAAAABQAAAAUAAAAGQAAABkAAAAAAAAABcAAAAUAAAAAAAAANwIAAD/fwAA/38AAAAAAAAJAAAABAAAAAAAAAAMAAAAEAAAAAAAAAAAAAAAAAAAAAAAAAAeAAAAaAAAAAAAAAAAAAAAAAAAAAAAAAAAAAAAECcAABAnAAAAAAAAAAAAAAAAAAAAAAAAAAAAAAAAAAAAAAAAAAAAABQAAAAAAAAAwMD/AAAAAABkAAAAMgAAAAAAAABkAAAAAAAAAH9/fwAKAAAAHwAAAFQAAAC74OMF////AQAAAAAAAAAAAAAAAAAAAAAAAAAAAAAAAAAAAAAAAAAAAAAAAn9/fwCAgIADzMzMAMDA/wB/f38AAAAAAAAAAAAAAAAAAAAAAAAAAAAhAAAAGAAAABQAAADzKwAADhcAAM80AABOGQAAECAAACYAAAAIAAAA//////////8="/>
               </a:ext>
             </a:extLst>
           </p:cNvSpPr>
@@ -19909,7 +19923,7 @@
           <p:cNvSpPr txBox="1">
             <a:extLst>
               <a:ext uri="smNativeData">
-                <pr:smNativeData xmlns:pr="smNativeData" val="SMDATA_13_BbpsXRMAAAAlAAAAEgAAAE8BAAAAkAAAAEgAAACQAAAASAAAAAAAAAAAAAAAAAAAAAEAAABQAAAAAAAAAAAA4D8AAAAAAADgPwAAAAAAAOA/AAAAAAAA4D8AAAAAAADgPwAAAAAAAOA/AAAAAAAA4D8AAAAAAADgPwAAAAAAAOA/AAAAAAAA4D8CAAAAjAAAAAAAAAAAAAAAu+DjDP///wgAAAAAAAAAAAAAAAAAAAAAAAAAAAAAAAAAAAAAZAAAAAEAAABAAAAAAAAAAAAAAAAAAAAAAAAAAAAAAAAAAAAAAAAAAAAAAAAAAAAAAAAAAAAAAAAAAAAAAAAAAAAAAAAAAAAAAAAAAAAAAAAAAAAAAAAAAAAAAAAAAAAAFAAAADwAAAAAAAAAAAAAAAAAAAkUAAAAAQAAABQAAAAUAAAAFAAAAAEAAAAAAAAAZAAAAGQAAAAAAAAAZAAAAGQAAAAVAAAAYAAAAAAAAAAAAAAADwAAACADAAAAAAAAAAAAAAEAAACgMgAAVgcAAKr4//8BAAAAf39/AAEAAABkAAAAAAAAABQAAABAHwAAAAAAACYAAAAAAAAAwOD//wAAAAAmAAAAZAAAABYAAABMAAAAAAAAAAAAAAAEAAAAAAAAAAEAAACAgIAKAAAAACgAAAAoAAAAZAAAAGQAAAAAAAAAzMzMAAAAAABQAAAAUAAAAGQAAABkAAAAAAAAABcAAAAUAAAAAAAAANwIAAD/fwAA/38AAAAAAAAJAAAABAAAAAAAAA8MAAAAEAAAAAAAAAAAAAAAAAAAAAAAAAAeAAAAaAAAAAAAAAAAAAAAAAAAAAAAAAAAAAAAECcAABAnAAAAAAAAAAAAAAAAAAAAAAAAAAAAAAAAAAAAAAAAAAAAABQAAAAAAAAAwMD/AAAAAABkAAAAMgAAAAAAAABkAAAAAAAAAH9/fwAKAAAAHwAAAFQAAAC74OMF////AQAAAAAAAAAAAAAAAAAAAAAAAAAAAAAAAAAAAAAAAAAAAAAAAn9/fwCAgIADzMzMAMDA/wB/f38AAAAAAAAAAAAAAAAAAAAAAAAAAAAhAAAAGAAAABQAAACPGAAAMBoAAOskAADAHQAAECAAACYAAAAIAAAA//////////8="/>
+                <pr:smNativeData xmlns:pr="smNativeData" val="SMDATA_13_IrKAXRMAAAAlAAAAEgAAAE8BAAAAkAAAAEgAAACQAAAASAAAAAAAAAAAAAAAAAAAAAEAAABQAAAAAAAAAAAA4D8AAAAAAADgPwAAAAAAAOA/AAAAAAAA4D8AAAAAAADgPwAAAAAAAOA/AAAAAAAA4D8AAAAAAADgPwAAAAAAAOA/AAAAAAAA4D8CAAAAjAAAAAAAAAAAAAAAu+DjDP///wgAAAAAAAAAAAAAAAAAAAAAAAAAAAAAAAAAAAAAZAAAAAEAAABAAAAAAAAAAAAAAAAAAAAAAAAAAAAAAAAAAAAAAAAAAAAAAAAAAAAAAAAAAAAAAAAAAAAAAAAAAAAAAAAAAAAAAAAAAAAAAAAAAAAAAAAAAAAAAAAAAAAAFAAAADwAAAAAAAAAAAAAAAAAAAkUAAAAAQAAABQAAAAUAAAAFAAAAAEAAAAAAAAAZAAAAGQAAAAAAAAAZAAAAGQAAAAVAAAAYAAAAAAAAAAAAAAADwAAACADAAAAAAAAAAAAAAEAAACgMgAAVgcAAKr4//8BAAAAf39/AAEAAABkAAAAAAAAABQAAABAHwAAAAAAACYAAAAAAAAAwOD//wAAAAAmAAAAZAAAABYAAABMAAAAAAAAAAAAAAAEAAAAAAAAAAEAAACAgIAKAAAAACgAAAAoAAAAZAAAAGQAAAAAAAAAzMzMAAAAAABQAAAAUAAAAGQAAABkAAAAAAAAABcAAAAUAAAAAAAAANwIAAD/fwAA/38AAAAAAAAJAAAABAAAAAAAAA8MAAAAEAAAAAAAAAAAAAAAAAAAAAAAAAAeAAAAaAAAAAAAAAAAAAAAAAAAAAAAAAAAAAAAECcAABAnAAAAAAAAAAAAAAAAAAAAAAAAAAAAAAAAAAAAAAAAAAAAABQAAAAAAAAAwMD/AAAAAABkAAAAMgAAAAAAAABkAAAAAAAAAH9/fwAKAAAAHwAAAFQAAAC74OMF////AQAAAAAAAAAAAAAAAAAAAAAAAAAAAAAAAAAAAAAAAAAAAAAAAn9/fwCAgIADzMzMAMDA/wB/f38AAAAAAAAAAAAAAAAAAAAAAAAAAAAhAAAAGAAAABQAAACPGAAAMBoAAOskAADAHQAAECAAACYAAAAIAAAA//////////8="/>
               </a:ext>
             </a:extLst>
           </p:cNvSpPr>
@@ -19955,7 +19969,7 @@
           <p:cNvSpPr txBox="1">
             <a:extLst>
               <a:ext uri="smNativeData">
-                <pr:smNativeData xmlns:pr="smNativeData" val="SMDATA_13_BbpsXRMAAAAlAAAAEgAAAA8BAAAAkAAAAEgAAACQAAAASAAAAAAAAAAAAAAAAAAAAAEAAABQAAAAAAAAAAAA4D8AAAAAAADgPwAAAAAAAOA/AAAAAAAA4D8AAAAAAADgPwAAAAAAAOA/AAAAAAAA4D8AAAAAAADgPwAAAAAAAOA/AAAAAAAA4D8CAAAAjAAAAAAAAAAAAAAAu+DjDP///wgAAAAAAAAAAAAAAAAAAAAAAAAAAAAAAAAAAAAAZAAAAAEAAABAAAAAAAAAAAAAAAAAAAAAAAAAAAAAAAAAAAAAAAAAAAAAAAAAAAAAAAAAAAAAAAAAAAAAAAAAAAAAAAAAAAAAAAAAAAAAAAAAAAAAAAAAAAAAAAAAAAAAFAAAADwAAAAAAAAAAAAAAAAAAAkUAAAAAQAAABQAAAAUAAAAFAAAAAEAAAAAAAAAZAAAAGQAAAAAAAAAZAAAAGQAAAAVAAAAYAAAAAAAAAAAAAAADwAAACADAAAAAAAAAAAAAAEAAACgMgAAVgcAAKr4//8BAAAAf39/AAEAAABkAAAAAAAAABQAAABAHwAAAAAAACYAAAAAAAAAwOD//wAAAAAmAAAAZAAAABYAAABMAAAAAAAAAAAAAAAEAAAAAAAAAAEAAACAgIAKAAAAACgAAAAoAAAAZAAAAGQAAAAAAAAAzMzMAAAAAABQAAAAUAAAAGQAAABkAAAAAAAAABcAAAAUAAAAAAAAANwIAAD/fwAA/38AAAAAAAAJAAAABAAAAAAAAAAMAAAAEAAAAAAAAAAAAAAAAAAAAAAAAAAeAAAAaAAAAAAAAAAAAAAAAAAAAAAAAAAAAAAAECcAABAnAAAAAAAAAAAAAAAAAAAAAAAAAAAAAAAAAAAAAAAAAAAAABQAAAAAAAAAwMD/AAAAAABkAAAAMgAAAAAAAABkAAAAAAAAAH9/fwAKAAAAHwAAAFQAAAC74OMF////AQAAAAAAAAAAAAAAAAAAAAAAAAAAAAAAAAAAAAAAAAAAAAAAAn9/fwCAgIADzMzMAMDA/wB/f38AAAAAAAAAAAAAAAAAAAAAAAAAAAAhAAAAGAAAABQAAABzDwAAgxsAAB4YAADIJAAAEAAAACYAAAAIAAAA//////////8="/>
+                <pr:smNativeData xmlns:pr="smNativeData" val="SMDATA_13_IrKAXRMAAAAlAAAAEgAAAA8BAAAAkAAAAEgAAACQAAAASAAAAAAAAAAAAAAAAAAAAAEAAABQAAAAAAAAAAAA4D8AAAAAAADgPwAAAAAAAOA/AAAAAAAA4D8AAAAAAADgPwAAAAAAAOA/AAAAAAAA4D8AAAAAAADgPwAAAAAAAOA/AAAAAAAA4D8CAAAAjAAAAAAAAAAAAAAAu+DjDP///wgAAAAAAAAAAAAAAAAAAAAAAAAAAAAAAAAAAAAAZAAAAAEAAABAAAAAAAAAAAAAAAAAAAAAAAAAAAAAAAAAAAAAAAAAAAAAAAAAAAAAAAAAAAAAAAAAAAAAAAAAAAAAAAAAAAAAAAAAAAAAAAAAAAAAAAAAAAAAAAAAAAAAFAAAADwAAAAAAAAAAAAAAAAAAAkUAAAAAQAAABQAAAAUAAAAFAAAAAEAAAAAAAAAZAAAAGQAAAAAAAAAZAAAAGQAAAAVAAAAYAAAAAAAAAAAAAAADwAAACADAAAAAAAAAAAAAAEAAACgMgAAVgcAAKr4//8BAAAAf39/AAEAAABkAAAAAAAAABQAAABAHwAAAAAAACYAAAAAAAAAwOD//wAAAAAmAAAAZAAAABYAAABMAAAAAAAAAAAAAAAEAAAAAAAAAAEAAACAgIAKAAAAACgAAAAoAAAAZAAAAGQAAAAAAAAAzMzMAAAAAABQAAAAUAAAAGQAAABkAAAAAAAAABcAAAAUAAAAAAAAANwIAAD/fwAA/38AAAAAAAAJAAAABAAAAAAAAAAMAAAAEAAAAAAAAAAAAAAAAAAAAAAAAAAeAAAAaAAAAAAAAAAAAAAAAAAAAAAAAAAAAAAAECcAABAnAAAAAAAAAAAAAAAAAAAAAAAAAAAAAAAAAAAAAAAAAAAAABQAAAAAAAAAwMD/AAAAAABkAAAAMgAAAAAAAABkAAAAAAAAAH9/fwAKAAAAHwAAAFQAAAC74OMF////AQAAAAAAAAAAAAAAAAAAAAAAAAAAAAAAAAAAAAAAAAAAAAAAAn9/fwCAgIADzMzMAMDA/wB/f38AAAAAAAAAAAAAAAAAAAAAAAAAAAAhAAAAGAAAABQAAABzDwAAgxsAAB4YAADIJAAAEAAAACYAAAAIAAAA//////////8="/>
               </a:ext>
             </a:extLst>
           </p:cNvSpPr>
@@ -20001,7 +20015,7 @@
           <p:cNvSpPr txBox="1">
             <a:extLst>
               <a:ext uri="smNativeData">
-                <pr:smNativeData xmlns:pr="smNativeData" val="SMDATA_13_BbpsXRMAAAAlAAAAEgAAAA8BAAAAkAAAAEgAAACQAAAASAAAAAAAAAAAAAAAAAAAAAEAAABQAAAAAAAAAAAA4D8AAAAAAADgPwAAAAAAAOA/AAAAAAAA4D8AAAAAAADgPwAAAAAAAOA/AAAAAAAA4D8AAAAAAADgPwAAAAAAAOA/AAAAAAAA4D8CAAAAjAAAAAAAAAAAAAAAu+DjDP///wgAAAAAAAAAAAAAAAAAAAAAAAAAAAAAAAAAAAAAZAAAAAEAAABAAAAAAAAAAAAAAAAAAAAAAAAAAAAAAAAAAAAAAAAAAAAAAAAAAAAAAAAAAAAAAAAAAAAAAAAAAAAAAAAAAAAAAAAAAAAAAAAAAAAAAAAAAAAAAAAAAAAAFAAAADwAAAAAAAAAAAAAAAAAAAkUAAAAAQAAABQAAAAUAAAAFAAAAAEAAAAAAAAAZAAAAGQAAAAAAAAAZAAAAGQAAAAVAAAAYAAAAAAAAAAAAAAADwAAACADAAAAAAAAAAAAAAEAAACgMgAAVgcAAKr4//8BAAAAf39/AAEAAABkAAAAAAAAABQAAABAHwAAAAAAACYAAAAAAAAAwOD//wAAAAAmAAAAZAAAABYAAABMAAAAAAAAAAAAAAAEAAAAAAAAAAEAAACAgIAKAAAAACgAAAAoAAAAZAAAAGQAAAAAAAAAzMzMAAAAAABQAAAAUAAAAGQAAABkAAAAAAAAABcAAAAUAAAAAAAAANwIAAD/fwAA/38AAAAAAAAJAAAABAAAAAAAAAAMAAAAEAAAAAAAAAAAAAAAAAAAAAAAAAAeAAAAaAAAAAAAAAAAAAAAAAAAAAAAAAAAAAAAECcAABAnAAAAAAAAAAAAAAAAAAAAAAAAAAAAAAAAAAAAAAAAAAAAABQAAAAAAAAAwMD/AAAAAABkAAAAMgAAAAAAAABkAAAAAAAAAH9/fwAKAAAAHwAAAFQAAAC74OMF////AQAAAAAAAAAAAAAAAAAAAAAAAAAAAAAAAAAAAAAAAAAAAAAAAn9/fwCAgIADzMzMAMDA/wB/f38AAAAAAAAAAAAAAAAAAAAAAAAAAAAhAAAAGAAAABQAAAAgJwAA9BsAAMouAAAiIgAAEAAAACYAAAAIAAAA//////////8="/>
+                <pr:smNativeData xmlns:pr="smNativeData" val="SMDATA_13_IrKAXRMAAAAlAAAAEgAAAA8BAAAAkAAAAEgAAACQAAAASAAAAAAAAAAAAAAAAAAAAAEAAABQAAAAAAAAAAAA4D8AAAAAAADgPwAAAAAAAOA/AAAAAAAA4D8AAAAAAADgPwAAAAAAAOA/AAAAAAAA4D8AAAAAAADgPwAAAAAAAOA/AAAAAAAA4D8CAAAAjAAAAAAAAAAAAAAAu+DjDP///wgAAAAAAAAAAAAAAAAAAAAAAAAAAAAAAAAAAAAAZAAAAAEAAABAAAAAAAAAAAAAAAAAAAAAAAAAAAAAAAAAAAAAAAAAAAAAAAAAAAAAAAAAAAAAAAAAAAAAAAAAAAAAAAAAAAAAAAAAAAAAAAAAAAAAAAAAAAAAAAAAAAAAFAAAADwAAAAAAAAAAAAAAAAAAAkUAAAAAQAAABQAAAAUAAAAFAAAAAEAAAAAAAAAZAAAAGQAAAAAAAAAZAAAAGQAAAAVAAAAYAAAAAAAAAAAAAAADwAAACADAAAAAAAAAAAAAAEAAACgMgAAVgcAAKr4//8BAAAAf39/AAEAAABkAAAAAAAAABQAAABAHwAAAAAAACYAAAAAAAAAwOD//wAAAAAmAAAAZAAAABYAAABMAAAAAAAAAAAAAAAEAAAAAAAAAAEAAACAgIAKAAAAACgAAAAoAAAAZAAAAGQAAAAAAAAAzMzMAAAAAABQAAAAUAAAAGQAAABkAAAAAAAAABcAAAAUAAAAAAAAANwIAAD/fwAA/38AAAAAAAAJAAAABAAAAAAAAAAMAAAAEAAAAAAAAAAAAAAAAAAAAAAAAAAeAAAAaAAAAAAAAAAAAAAAAAAAAAAAAAAAAAAAECcAABAnAAAAAAAAAAAAAAAAAAAAAAAAAAAAAAAAAAAAAAAAAAAAABQAAAAAAAAAwMD/AAAAAABkAAAAMgAAAAAAAABkAAAAAAAAAH9/fwAKAAAAHwAAAFQAAAC74OMF////AQAAAAAAAAAAAAAAAAAAAAAAAAAAAAAAAAAAAAAAAAAAAAAAAn9/fwCAgIADzMzMAMDA/wB/f38AAAAAAAAAAAAAAAAAAAAAAAAAAAAhAAAAGAAAABQAAAAgJwAA9BsAAMouAAAiIgAAEAAAACYAAAAIAAAA//////////8="/>
               </a:ext>
             </a:extLst>
           </p:cNvSpPr>
@@ -20049,7 +20063,7 @@
           <p:cNvSpPr txBox="1">
             <a:extLst>
               <a:ext uri="smNativeData">
-                <pr:smNativeData xmlns:pr="smNativeData" val="SMDATA_13_BbpsXRMAAAAlAAAAEgAAAE8BAAAAkAAAAEgAAACQAAAASAAAAAAAAAAAAAAAAAAAAAEAAABQAAAAAAAAAAAA4D8AAAAAAADgPwAAAAAAAOA/AAAAAAAA4D8AAAAAAADgPwAAAAAAAOA/AAAAAAAA4D8AAAAAAADgPwAAAAAAAOA/AAAAAAAA4D8CAAAAjAAAAAAAAAAAAAAAu+DjDP///wgAAAAAAAAAAAAAAAAAAAAAAAAAAAAAAAAAAAAAZAAAAAEAAABAAAAAAAAAAAAAAAAAAAAAAAAAAAAAAAAAAAAAAAAAAAAAAAAAAAAAAAAAAAAAAAAAAAAAAAAAAAAAAAAAAAAAAAAAAAAAAAAAAAAAAAAAAAAAAAAAAAAAFAAAADwAAAAAAAAAAAAAAAAAAAkUAAAAAQAAABQAAAAUAAAAFAAAAAEAAAAAAAAAZAAAAGQAAAAAAAAAZAAAAGQAAAAVAAAAYAAAAAAAAAAAAAAADwAAACADAAAAAAAAAAAAAAEAAACgMgAAVgcAAKr4//8BAAAAf39/AAEAAABkAAAAAAAAABQAAABAHwAAAAAAACYAAAAAAAAAwOD//wAAAAAmAAAAZAAAABYAAABMAAAAAAAAAAAAAAAEAAAAAAAAAAEAAACAgIAKAAAAACgAAAAoAAAAZAAAAGQAAAAAAAAAzMzMAAAAAABQAAAAUAAAAGQAAABkAAAAAAAAABcAAAAUAAAAAAAAANwIAAD/fwAA/38AAAAAAAAJAAAABAAAAPn5+f8MAAAAEAAAAAAAAAAAAAAAAAAAAAAAAAAeAAAAaAAAAAAAAAAAAAAAAAAAAAAAAAAAAAAAECcAABAnAAAAAAAAAAAAAAAAAAAAAAAAAAAAAAAAAAAAAAAAAAAAABQAAAAAAAAAwMD/AAAAAABkAAAAMgAAAAAAAABkAAAAAAAAAH9/fwAKAAAAHwAAAFQAAAC74OMF////AQAAAAAAAAAAAAAAAAAAAAAAAAAAAAAAAAAAAAAAAAAAAAAAAn9/fwCAgIADzMzMAMDA/wB/f38AAAAAAAAAAAAAAAAAAAAAAAAAAAAhAAAAGAAAABQAAABqBAAA4QgAABY0AAAhCwAAECAAACYAAAAIAAAA//////////8="/>
+                <pr:smNativeData xmlns:pr="smNativeData" val="SMDATA_13_IrKAXRMAAAAlAAAAEgAAAE8BAAAAkAAAAEgAAACQAAAASAAAAAAAAAAAAAAAAAAAAAEAAABQAAAAAAAAAAAA4D8AAAAAAADgPwAAAAAAAOA/AAAAAAAA4D8AAAAAAADgPwAAAAAAAOA/AAAAAAAA4D8AAAAAAADgPwAAAAAAAOA/AAAAAAAA4D8CAAAAjAAAAAAAAAAAAAAAu+DjDP///wgAAAAAAAAAAAAAAAAAAAAAAAAAAAAAAAAAAAAAZAAAAAEAAABAAAAAAAAAAAAAAAAAAAAAAAAAAAAAAAAAAAAAAAAAAAAAAAAAAAAAAAAAAAAAAAAAAAAAAAAAAAAAAAAAAAAAAAAAAAAAAAAAAAAAAAAAAAAAAAAAAAAAFAAAADwAAAAAAAAAAAAAAAAAAAkUAAAAAQAAABQAAAAUAAAAFAAAAAEAAAAAAAAAZAAAAGQAAAAAAAAAZAAAAGQAAAAVAAAAYAAAAAAAAAAAAAAADwAAACADAAAAAAAAAAAAAAEAAACgMgAAVgcAAKr4//8BAAAAf39/AAEAAABkAAAAAAAAABQAAABAHwAAAAAAACYAAAAAAAAAwOD//wAAAAAmAAAAZAAAABYAAABMAAAAAAAAAAAAAAAEAAAAAAAAAAEAAACAgIAKAAAAACgAAAAoAAAAZAAAAGQAAAAAAAAAzMzMAAAAAABQAAAAUAAAAGQAAABkAAAAAAAAABcAAAAUAAAAAAAAANwIAAD/fwAA/38AAAAAAAAJAAAABAAAAPn5+f8MAAAAEAAAAAAAAAAAAAAAAAAAAAAAAAAeAAAAaAAAAAAAAAAAAAAAAAAAAAAAAAAAAAAAECcAABAnAAAAAAAAAAAAAAAAAAAAAAAAAAAAAAAAAAAAAAAAAAAAABQAAAAAAAAAwMD/AAAAAABkAAAAMgAAAAAAAABkAAAAAAAAAH9/fwAKAAAAHwAAAFQAAAC74OMF////AQAAAAAAAAAAAAAAAAAAAAAAAAAAAAAAAAAAAAAAAAAAAAAAAn9/fwCAgIADzMzMAMDA/wB/f38AAAAAAAAAAAAAAAAAAAAAAAAAAAAhAAAAGAAAABQAAABqBAAA4QgAABY0AAAhCwAAECAAACYAAAAIAAAA//////////8="/>
               </a:ext>
             </a:extLst>
           </p:cNvSpPr>
@@ -20095,7 +20109,7 @@
           <p:cNvSpPr>
             <a:extLst>
               <a:ext uri="smNativeData">
-                <pr:smNativeData xmlns:pr="smNativeData" val="SMDATA_13_BbpsXRMAAAAlAAAAZAAAAA8BAAAAkAAAAEgAAACQAAAASAAAAAAAAAAAAAAAAAAAAAEAAABQAAAAAAAAAAAA4D8AAAAAAADgPwAAAAAAAOA/AAAAAAAA4D8AAAAAAADgPwAAAAAAAOA/AAAAAAAA4D8AAAAAAADgPwAAAAAAAOA/AAAAAAAA4D8CAAAAjAAAAAEAAAAAAAAAHh4eAP///wgAAAAAAAAAAAAAAAAAAAAAAAAAAAAAAAAAAAAAZAAAAAEAAABAAAAAAAAAAAAAAAAAAAAAAAAAAAAAAAAAAAAAAAAAAAAAAAAAAAAAAAAAAAAAAAAAAAAAAAAAAAAAAAAAAAAAAAAAAAAAAAAAAAAAAAAAAAAAAAAAAAAAFAAAADwAAAAAAAAAAAAAAAAAAAkAAAAAAQAAAAAAAAAAAAAAAAAAAAAAAAAAAAAAZAAAAGQAAAAAAAAAZAAAAGQAAAAVAAAAYAAAAAAAAAAAAAAADwAAACADAAAAAAAAAAAAAAEAAACgMgAAAAAAAAAAAAABAAAAf39/AAEAAABkAAAAAAAAABQAAABAHwAAAAAAACYAAAAAAAAAwOD//wAAAAAmAAAAZAAAABYAAABMAAAAAAAAAAAAAAAEAAAAAAAAAAEAAACAgIAKAAAAACgAAAAoAAAAZAAAAGQAAAAAAAAAzMzMAAAAAABQAAAAUAAAAGQAAABkAAAAAAAAABcAAAAUAAAAAAAAAAAAAAD/fwAA/38AAAAAAAAJAAAABAAAAHNpYyAMAAAAEAAAAAAAAAAAAAAAAAAAAAAAAAAeAAAAaAAAAAAAAAAAAAAAAAAAAAAAAAAAAAAAECcAABAnAAAAAAAAAAAAAAAAAAAAAAAAAAAAAAAAAAAAAAAAAAAAABQAAAAAAAAAwMD/AAAAAABkAAAAMgAAAAAAAABkAAAAAAAAAH9/fwAKAAAAHwAAAFQAAAAeHh4A////AQAAAAAAAAAAAAAAAAAAAAAAAAAAAAAAAAAAAAAAAAAAAAAAAn9/fwCAgIADzMzMAMDA/wB/f38AAAAAAAAAAAAAAAAAAAAAAAAAAAAhAAAAGAAAABQAAAAAAAAAZQcAAEA4AAC4CAAAEAAAACYAAAAIAAAA//////////8="/>
+                <pr:smNativeData xmlns:pr="smNativeData" val="SMDATA_13_IrKAXRMAAAAlAAAAZAAAAA8BAAAAkAAAAEgAAACQAAAASAAAAAAAAAAAAAAAAAAAAAEAAABQAAAAAAAAAAAA4D8AAAAAAADgPwAAAAAAAOA/AAAAAAAA4D8AAAAAAADgPwAAAAAAAOA/AAAAAAAA4D8AAAAAAADgPwAAAAAAAOA/AAAAAAAA4D8CAAAAjAAAAAEAAAAAAAAAHh4eAP///wgAAAAAAAAAAAAAAAAAAAAAAAAAAAAAAAAAAAAAZAAAAAEAAABAAAAAAAAAAAAAAAAAAAAAAAAAAAAAAAAAAAAAAAAAAAAAAAAAAAAAAAAAAAAAAAAAAAAAAAAAAAAAAAAAAAAAAAAAAAAAAAAAAAAAAAAAAAAAAAAAAAAAFAAAADwAAAAAAAAAAAAAAAAAAAkAAAAAAQAAAAAAAAAAAAAAAAAAAAAAAAAAAAAAZAAAAGQAAAAAAAAAZAAAAGQAAAAVAAAAYAAAAAAAAAAAAAAADwAAACADAAAAAAAAAAAAAAEAAACgMgAAAAAAAAAAAAABAAAAf39/AAEAAABkAAAAAAAAABQAAABAHwAAAAAAACYAAAAAAAAAwOD//wAAAAAmAAAAZAAAABYAAABMAAAAAAAAAAAAAAAEAAAAAAAAAAEAAACAgIAKAAAAACgAAAAoAAAAZAAAAGQAAAAAAAAAzMzMAAAAAABQAAAAUAAAAGQAAABkAAAAAAAAABcAAAAUAAAAAAAAAAAAAAD/fwAA/38AAAAAAAAJAAAABAAAAHNpYyAMAAAAEAAAAAAAAAAAAAAAAAAAAAAAAAAeAAAAaAAAAAAAAAAAAAAAAAAAAAAAAAAAAAAAECcAABAnAAAAAAAAAAAAAAAAAAAAAAAAAAAAAAAAAAAAAAAAAAAAABQAAAAAAAAAwMD/AAAAAABkAAAAMgAAAAAAAABkAAAAAAAAAH9/fwAKAAAAHwAAAFQAAAAeHh4A////AQAAAAAAAAAAAAAAAAAAAAAAAAAAAAAAAAAAAAAAAAAAAAAAAn9/fwCAgIADzMzMAMDA/wB/f38AAAAAAAAAAAAAAAAAAAAAAAAAAAAhAAAAGAAAABQAAAAAAAAAZQcAAEA4AAC4CAAAEAAAACYAAAAIAAAA//////////8="/>
               </a:ext>
             </a:extLst>
           </p:cNvSpPr>
@@ -20125,7 +20139,7 @@
             <a:picLocks noChangeAspect="1"/>
             <a:extLst>
               <a:ext uri="smNativeData">
-                <pr:smNativeData xmlns:pr="smNativeData" val="SMDATA_15_BbpsXRMAAAAlAAAAEQAAAC8BAAAAkAAAAEgAAACQAAAASAAAAAAAAAAAAAAAAAAAAAEAAABQAAAAAAAAAAAA4D8AAAAAAADgPwAAAAAAAOA/AAAAAAAA4D8AAAAAAADgPwAAAAAAAOA/AAAAAAAA4D8AAAAAAADgPwAAAAAAAOA/AAAAAAAA4D8CAAAAjAAAAAAAAAAAAAAAu+DjDP///wgAAAAAAAAAAAAAAAAAAAAAAAAAAAAAAAAAAAAAZAAAAAEAAABAAAAAAAAAAAAAAAAAAAAAAAAAAAAAAAAAAAAAAAAAAAAAAAAAAAAAAAAAAAAAAAAAAAAAAAAAAAAAAAAAAAAAAAAAAAAAAAAAAAAAAAAAAAAAAAAAAAAAFAAAADwAAAAAAAAAAAAAAAAAAAkUAAAAAQAAABQAAAAUAAAAFAAAAAEAAAAAAAAAZAAAAGQAAAAAAAAAZAAAAGQAAAAVAAAAYAAAAAAAAAAAAAAADwAAACADAAAAAAAAAAAAAAEAAACgMgAAVgcAAKr4//8BAAAAf39/AAEAAABkAAAAAAAAABQAAABAHwAAAAAAACYAAAAAAAAAwOD//wAAAAAmAAAAZAAAABYAAABMAAAAAAAAAAAAAAAEAAAAAAAAAAEAAACAgIAKAAAAACgAAAAoAAAAZAAAAGQAAAAAAAAAzMzMAAAAAABQAAAAUAAAAGQAAABkAAAAAAAAAAcAAAA4AAAAAAAAAAAAAAAAAAAA////AAAAAAAAAAAAAAAAAAAAAAAAAAAAAAAAAAAAAABkAAAAZAAAAAAAAAAjAAAABAAAAGQAAAAXAAAAFAAAAAAAAAAAAAAA/38AAP9/AAAAAAAACQAAAAQAAAAAAAAADAAAABAAAAAAAAAAAAAAAAAAAAAAAAAAHgAAAGgAAAAAAAAAAAAAAAAAAAAAAAAAAAAAABAnAAAQJwAAAAAAAAAAAAAAAAAAAAAAAAAAAAAAAAAAAAAAAAAAAAAUAAAAAAAAAMDA/wAAAAAAZAAAADIAAAAAAAAAZAAAAAAAAAB/f38ACgAAAB8AAABUAAAAu+DjBf///wEAAAAAAAAAAAAAAAAAAAAAAAAAAAAAAAAAAAAAAAAAAAAAAAJ/f38AgICAA8zMzADAwP8Af39/AAAAAAAAAAAAAAAAAP///wAAAAAAIQAAABgAAAAUAAAAJwUAAK0HAABpNQAATyoAABAAAAAmAAAACAAAAP//////////"/>
+                <pr:smNativeData xmlns:pr="smNativeData" val="SMDATA_15_IrKAXRMAAAAlAAAAEQAAAC8BAAAAkAAAAEgAAACQAAAASAAAAAAAAAAAAAAAAAAAAAEAAABQAAAAAAAAAAAA4D8AAAAAAADgPwAAAAAAAOA/AAAAAAAA4D8AAAAAAADgPwAAAAAAAOA/AAAAAAAA4D8AAAAAAADgPwAAAAAAAOA/AAAAAAAA4D8CAAAAjAAAAAAAAAAAAAAAu+DjDP///wgAAAAAAAAAAAAAAAAAAAAAAAAAAAAAAAAAAAAAZAAAAAEAAABAAAAAAAAAAAAAAAAAAAAAAAAAAAAAAAAAAAAAAAAAAAAAAAAAAAAAAAAAAAAAAAAAAAAAAAAAAAAAAAAAAAAAAAAAAAAAAAAAAAAAAAAAAAAAAAAAAAAAFAAAADwAAAAAAAAAAAAAAAAAAAkUAAAAAQAAABQAAAAUAAAAFAAAAAEAAAAAAAAAZAAAAGQAAAAAAAAAZAAAAGQAAAAVAAAAYAAAAAAAAAAAAAAADwAAACADAAAAAAAAAAAAAAEAAACgMgAAVgcAAKr4//8BAAAAf39/AAEAAABkAAAAAAAAABQAAABAHwAAAAAAACYAAAAAAAAAwOD//wAAAAAmAAAAZAAAABYAAABMAAAAAAAAAAAAAAAEAAAAAAAAAAEAAACAgIAKAAAAACgAAAAoAAAAZAAAAGQAAAAAAAAAzMzMAAAAAABQAAAAUAAAAGQAAABkAAAAAAAAAAcAAAA4AAAAAAAAAAAAAAAAAAAA////AAAAAAAAAAAAAAAAAAAAAAAAAAAAAAAAAAAAAABkAAAAZAAAAAAAAAAjAAAABAAAAGQAAAAXAAAAFAAAAAAAAAAAAAAA/38AAP9/AAAAAAAACQAAAAQAAAAAAAAADAAAABAAAAAAAAAAAAAAAAAAAAAAAAAAHgAAAGgAAAAAAAAAAAAAAAAAAAAAAAAAAAAAABAnAAAQJwAAAAAAAAAAAAAAAAAAAAAAAAAAAAAAAAAAAAAAAAAAAAAUAAAAAAAAAMDA/wAAAAAAZAAAADIAAAAAAAAAZAAAAAAAAAB/f38ACgAAAB8AAABUAAAAu+DjBf///wEAAAAAAAAAAAAAAAAAAAAAAAAAAAAAAAAAAAAAAAAAAAAAAAJ/f38AgICAA8zMzADAwP8Af39/AAAAAAAAAAAAAAAAAP///wAAAAAAIQAAABgAAAAUAAAAJwUAAK0HAABpNQAATyoAABAAAAAmAAAACAAAAP//////////"/>
               </a:ext>
             </a:extLst>
           </p:cNvPicPr>
@@ -20158,7 +20172,7 @@
           <p:cNvSpPr txBox="1">
             <a:extLst>
               <a:ext uri="smNativeData">
-                <pr:smNativeData xmlns:pr="smNativeData" val="SMDATA_13_BbpsXRMAAAAlAAAAEgAAAE8BAAAAkAAAAEgAAACQAAAASAAAAAAAAAAAAAAAAAAAAAEAAABQAAAAAAAAAAAA4D8AAAAAAADgPwAAAAAAAOA/AAAAAAAA4D8AAAAAAADgPwAAAAAAAOA/AAAAAAAA4D8AAAAAAADgPwAAAAAAAOA/AAAAAAAA4D8CAAAAjAAAAAAAAAAAAAAAu+DjDP///wgAAAAAAAAAAAAAAAAAAAAAAAAAAAAAAAAAAAAAZAAAAAEAAABAAAAAAAAAAAAAAAAAAAAAAAAAAAAAAAAAAAAAAAAAAAAAAAAAAAAAAAAAAAAAAAAAAAAAAAAAAAAAAAAAAAAAAAAAAAAAAAAAAAAAAAAAAAAAAAAAAAAAFAAAADwAAAAAAAAAAAAAAAAAAAkUAAAAAQAAABQAAAAUAAAAFAAAAAEAAAAAAAAAZAAAAGQAAAAAAAAAZAAAAGQAAAAVAAAAYAAAAAAAAAAAAAAADwAAACADAAAAAAAAAAAAAAEAAACgMgAAVgcAAKr4//8BAAAAf39/AAEAAABkAAAAAAAAABQAAABAHwAAAAAAACYAAAAAAAAAwOD//wAAAAAmAAAAZAAAABYAAABMAAAAAAAAAAAAAAAEAAAAAAAAAAEAAACAgIAKAAAAACgAAAAoAAAAZAAAAGQAAAAAAAAAzMzMAAAAAABQAAAAUAAAAGQAAABkAAAAAAAAABcAAAAUAAAAAAAAANwIAAD/fwAA/38AAAAAAAAJAAAABAAAAAAAAAIMAAAAEAAAAAAAAAAAAAAAAAAAAAAAAAAeAAAAaAAAAAAAAAAAAAAAAAAAAAAAAAAAAAAAECcAABAnAAAAAAAAAAAAAAAAAAAAAAAAAAAAAAAAAAAAAAAAAAAAABQAAAAAAAAAwMD/AAAAAABkAAAAMgAAAAAAAABkAAAAAAAAAH9/fwAKAAAAHwAAAFQAAAC74OMF////AQAAAAAAAAAAAAAAAAAAAAAAAAAAAAAAAAAAAAAAAAAAAAAAAn9/fwCAgIADzMzMAMDA/wB/f38AAAAAAAAAAAAAAAAAAAAAAAAAAAAhAAAAGAAAABQAAAB7FwAABREAALAZAABFEwAAECAAACYAAAAIAAAA//////////8="/>
+                <pr:smNativeData xmlns:pr="smNativeData" val="SMDATA_13_IrKAXRMAAAAlAAAAEgAAAE8BAAAAkAAAAEgAAACQAAAASAAAAAAAAAAAAAAAAAAAAAEAAABQAAAAAAAAAAAA4D8AAAAAAADgPwAAAAAAAOA/AAAAAAAA4D8AAAAAAADgPwAAAAAAAOA/AAAAAAAA4D8AAAAAAADgPwAAAAAAAOA/AAAAAAAA4D8CAAAAjAAAAAAAAAAAAAAAu+DjDP///wgAAAAAAAAAAAAAAAAAAAAAAAAAAAAAAAAAAAAAZAAAAAEAAABAAAAAAAAAAAAAAAAAAAAAAAAAAAAAAAAAAAAAAAAAAAAAAAAAAAAAAAAAAAAAAAAAAAAAAAAAAAAAAAAAAAAAAAAAAAAAAAAAAAAAAAAAAAAAAAAAAAAAFAAAADwAAAAAAAAAAAAAAAAAAAkUAAAAAQAAABQAAAAUAAAAFAAAAAEAAAAAAAAAZAAAAGQAAAAAAAAAZAAAAGQAAAAVAAAAYAAAAAAAAAAAAAAADwAAACADAAAAAAAAAAAAAAEAAACgMgAAVgcAAKr4//8BAAAAf39/AAEAAABkAAAAAAAAABQAAABAHwAAAAAAACYAAAAAAAAAwOD//wAAAAAmAAAAZAAAABYAAABMAAAAAAAAAAAAAAAEAAAAAAAAAAEAAACAgIAKAAAAACgAAAAoAAAAZAAAAGQAAAAAAAAAzMzMAAAAAABQAAAAUAAAAGQAAABkAAAAAAAAABcAAAAUAAAAAAAAANwIAAD/fwAA/38AAAAAAAAJAAAABAAAAAAAAAIMAAAAEAAAAAAAAAAAAAAAAAAAAAAAAAAeAAAAaAAAAAAAAAAAAAAAAAAAAAAAAAAAAAAAECcAABAnAAAAAAAAAAAAAAAAAAAAAAAAAAAAAAAAAAAAAAAAAAAAABQAAAAAAAAAwMD/AAAAAABkAAAAMgAAAAAAAABkAAAAAAAAAH9/fwAKAAAAHwAAAFQAAAC74OMF////AQAAAAAAAAAAAAAAAAAAAAAAAAAAAAAAAAAAAAAAAAAAAAAAAn9/fwCAgIADzMzMAMDA/wB/f38AAAAAAAAAAAAAAAAAAAAAAAAAAAAhAAAAGAAAABQAAAB7FwAABREAALAZAABFEwAAECAAACYAAAAIAAAA//////////8="/>
               </a:ext>
             </a:extLst>
           </p:cNvSpPr>
@@ -20204,7 +20218,7 @@
           <p:cNvSpPr txBox="1">
             <a:extLst>
               <a:ext uri="smNativeData">
-                <pr:smNativeData xmlns:pr="smNativeData" val="SMDATA_13_BbpsXRMAAAAlAAAAEgAAAE8BAAAAkAAAAEgAAACQAAAASAAAAAAAAAAAAAAAAAAAAAEAAABQAAAAAAAAAAAA4D8AAAAAAADgPwAAAAAAAOA/AAAAAAAA4D8AAAAAAADgPwAAAAAAAOA/AAAAAAAA4D8AAAAAAADgPwAAAAAAAOA/AAAAAAAA4D8CAAAAjAAAAAAAAAAAAAAAu+DjDP///wgAAAAAAAAAAAAAAAAAAAAAAAAAAAAAAAAAAAAAZAAAAAEAAABAAAAAAAAAAAAAAAAAAAAAAAAAAAAAAAAAAAAAAAAAAAAAAAAAAAAAAAAAAAAAAAAAAAAAAAAAAAAAAAAAAAAAAAAAAAAAAAAAAAAAAAAAAAAAAAAAAAAAFAAAADwAAAAAAAAAAAAAAAAAAAkUAAAAAQAAABQAAAAUAAAAFAAAAAEAAAAAAAAAZAAAAGQAAAAAAAAAZAAAAGQAAAAVAAAAYAAAAAAAAAAAAAAADwAAACADAAAAAAAAAAAAAAEAAACgMgAAVgcAAKr4//8BAAAAf39/AAEAAABkAAAAAAAAABQAAABAHwAAAAAAACYAAAAAAAAAwOD//wAAAAAmAAAAZAAAABYAAABMAAAAAAAAAAAAAAAEAAAAAAAAAAEAAACAgIAKAAAAACgAAAAoAAAAZAAAAGQAAAAAAAAAzMzMAAAAAABQAAAAUAAAAGQAAABkAAAAAAAAABcAAAAUAAAAAAAAANwIAAD/fwAA/38AAAAAAAAJAAAABAAAAAAAAAAMAAAAEAAAAAAAAAAAAAAAAAAAAAAAAAAeAAAAaAAAAAAAAAAAAAAAAAAAAAAAAAAAAAAAECcAABAnAAAAAAAAAAAAAAAAAAAAAAAAAAAAAAAAAAAAAAAAAAAAABQAAAAAAAAAwMD/AAAAAABkAAAAMgAAAAAAAABkAAAAAAAAAH9/fwAKAAAAHwAAAFQAAAC74OMF////AQAAAAAAAAAAAAAAAAAAAAAAAAAAAAAAAAAAAAAAAAAAAAAAAn9/fwCAgIADzMzMAMDA/wB/f38AAAAAAAAAAAAAAAAAAAAAAAAAAAAhAAAAGAAAABQAAAAZIwAA6xAAAE4lAAArEwAAECAAACYAAAAIAAAA//////////8="/>
+                <pr:smNativeData xmlns:pr="smNativeData" val="SMDATA_13_IrKAXRMAAAAlAAAAEgAAAE8BAAAAkAAAAEgAAACQAAAASAAAAAAAAAAAAAAAAAAAAAEAAABQAAAAAAAAAAAA4D8AAAAAAADgPwAAAAAAAOA/AAAAAAAA4D8AAAAAAADgPwAAAAAAAOA/AAAAAAAA4D8AAAAAAADgPwAAAAAAAOA/AAAAAAAA4D8CAAAAjAAAAAAAAAAAAAAAu+DjDP///wgAAAAAAAAAAAAAAAAAAAAAAAAAAAAAAAAAAAAAZAAAAAEAAABAAAAAAAAAAAAAAAAAAAAAAAAAAAAAAAAAAAAAAAAAAAAAAAAAAAAAAAAAAAAAAAAAAAAAAAAAAAAAAAAAAAAAAAAAAAAAAAAAAAAAAAAAAAAAAAAAAAAAFAAAADwAAAAAAAAAAAAAAAAAAAkUAAAAAQAAABQAAAAUAAAAFAAAAAEAAAAAAAAAZAAAAGQAAAAAAAAAZAAAAGQAAAAVAAAAYAAAAAAAAAAAAAAADwAAACADAAAAAAAAAAAAAAEAAACgMgAAVgcAAKr4//8BAAAAf39/AAEAAABkAAAAAAAAABQAAABAHwAAAAAAACYAAAAAAAAAwOD//wAAAAAmAAAAZAAAABYAAABMAAAAAAAAAAAAAAAEAAAAAAAAAAEAAACAgIAKAAAAACgAAAAoAAAAZAAAAGQAAAAAAAAAzMzMAAAAAABQAAAAUAAAAGQAAABkAAAAAAAAABcAAAAUAAAAAAAAANwIAAD/fwAA/38AAAAAAAAJAAAABAAAAAAAAAAMAAAAEAAAAAAAAAAAAAAAAAAAAAAAAAAeAAAAaAAAAAAAAAAAAAAAAAAAAAAAAAAAAAAAECcAABAnAAAAAAAAAAAAAAAAAAAAAAAAAAAAAAAAAAAAAAAAAAAAABQAAAAAAAAAwMD/AAAAAABkAAAAMgAAAAAAAABkAAAAAAAAAH9/fwAKAAAAHwAAAFQAAAC74OMF////AQAAAAAAAAAAAAAAAAAAAAAAAAAAAAAAAAAAAAAAAAAAAAAAAn9/fwCAgIADzMzMAMDA/wB/f38AAAAAAAAAAAAAAAAAAAAAAAAAAAAhAAAAGAAAABQAAAAZIwAA6xAAAE4lAAArEwAAECAAACYAAAAIAAAA//////////8="/>
               </a:ext>
             </a:extLst>
           </p:cNvSpPr>
@@ -20250,7 +20264,7 @@
           <p:cNvSpPr txBox="1">
             <a:extLst>
               <a:ext uri="smNativeData">
-                <pr:smNativeData xmlns:pr="smNativeData" val="SMDATA_13_BbpsXRMAAAAlAAAAEgAAAE8BAAAAkAAAAEgAAACQAAAASAAAAAAAAAAAAAAAAAAAAAEAAABQAAAAAAAAAAAA4D8AAAAAAADgPwAAAAAAAOA/AAAAAAAA4D8AAAAAAADgPwAAAAAAAOA/AAAAAAAA4D8AAAAAAADgPwAAAAAAAOA/AAAAAAAA4D8CAAAAjAAAAAAAAAAAAAAAu+DjDP///wgAAAAAAAAAAAAAAAAAAAAAAAAAAAAAAAAAAAAAZAAAAAEAAABAAAAAAAAAAAAAAAAAAAAAAAAAAAAAAAAAAAAAAAAAAAAAAAAAAAAAAAAAAAAAAAAAAAAAAAAAAAAAAAAAAAAAAAAAAAAAAAAAAAAAAAAAAAAAAAAAAAAAFAAAADwAAAAAAAAAAAAAAAAAAAkUAAAAAQAAABQAAAAUAAAAFAAAAAEAAAAAAAAAZAAAAGQAAAAAAAAAZAAAAGQAAAAVAAAAYAAAAAAAAAAAAAAADwAAACADAAAAAAAAAAAAAAEAAACgMgAAVgcAAKr4//8BAAAAf39/AAEAAABkAAAAAAAAABQAAABAHwAAAAAAACYAAAAAAAAAwOD//wAAAAAmAAAAZAAAABYAAABMAAAAAAAAAAAAAAAEAAAAAAAAAAEAAACAgIAKAAAAACgAAAAoAAAAZAAAAGQAAAAAAAAAzMzMAAAAAABQAAAAUAAAAGQAAABkAAAAAAAAABcAAAAUAAAAAAAAANwIAAD/fwAA/38AAAAAAAAJAAAABAAAAAAAAAAMAAAAEAAAAAAAAAAAAAAAAAAAAAAAAAAeAAAAaAAAAAAAAAAAAAAAAAAAAAAAAAAAAAAAECcAABAnAAAAAAAAAAAAAAAAAAAAAAAAAAAAAAAAAAAAAAAAAAAAABQAAAAAAAAAwMD/AAAAAABkAAAAMgAAAAAAAABkAAAAAAAAAH9/fwAKAAAAHwAAAFQAAAC74OMF////AQAAAAAAAAAAAAAAAAAAAAAAAAAAAAAAAAAAAAAAAAAAAAAAAn9/fwCAgIADzMzMAMDA/wB/f38AAAAAAAAAAAAAAAAAAAAAAAAAAAAhAAAAGAAAABQAAABiLgAAgQwAAJcwAADBDgAAECAAACYAAAAIAAAA//////////8="/>
+                <pr:smNativeData xmlns:pr="smNativeData" val="SMDATA_13_IrKAXRMAAAAlAAAAEgAAAE8BAAAAkAAAAEgAAACQAAAASAAAAAAAAAAAAAAAAAAAAAEAAABQAAAAAAAAAAAA4D8AAAAAAADgPwAAAAAAAOA/AAAAAAAA4D8AAAAAAADgPwAAAAAAAOA/AAAAAAAA4D8AAAAAAADgPwAAAAAAAOA/AAAAAAAA4D8CAAAAjAAAAAAAAAAAAAAAu+DjDP///wgAAAAAAAAAAAAAAAAAAAAAAAAAAAAAAAAAAAAAZAAAAAEAAABAAAAAAAAAAAAAAAAAAAAAAAAAAAAAAAAAAAAAAAAAAAAAAAAAAAAAAAAAAAAAAAAAAAAAAAAAAAAAAAAAAAAAAAAAAAAAAAAAAAAAAAAAAAAAAAAAAAAAFAAAADwAAAAAAAAAAAAAAAAAAAkUAAAAAQAAABQAAAAUAAAAFAAAAAEAAAAAAAAAZAAAAGQAAAAAAAAAZAAAAGQAAAAVAAAAYAAAAAAAAAAAAAAADwAAACADAAAAAAAAAAAAAAEAAACgMgAAVgcAAKr4//8BAAAAf39/AAEAAABkAAAAAAAAABQAAABAHwAAAAAAACYAAAAAAAAAwOD//wAAAAAmAAAAZAAAABYAAABMAAAAAAAAAAAAAAAEAAAAAAAAAAEAAACAgIAKAAAAACgAAAAoAAAAZAAAAGQAAAAAAAAAzMzMAAAAAABQAAAAUAAAAGQAAABkAAAAAAAAABcAAAAUAAAAAAAAANwIAAD/fwAA/38AAAAAAAAJAAAABAAAAAAAAAAMAAAAEAAAAAAAAAAAAAAAAAAAAAAAAAAeAAAAaAAAAAAAAAAAAAAAAAAAAAAAAAAAAAAAECcAABAnAAAAAAAAAAAAAAAAAAAAAAAAAAAAAAAAAAAAAAAAAAAAABQAAAAAAAAAwMD/AAAAAABkAAAAMgAAAAAAAABkAAAAAAAAAH9/fwAKAAAAHwAAAFQAAAC74OMF////AQAAAAAAAAAAAAAAAAAAAAAAAAAAAAAAAAAAAAAAAAAAAAAAAn9/fwCAgIADzMzMAMDA/wB/f38AAAAAAAAAAAAAAAAAAAAAAAAAAAAhAAAAGAAAABQAAABiLgAAgQwAAJcwAADBDgAAECAAACYAAAAIAAAA//////////8="/>
               </a:ext>
             </a:extLst>
           </p:cNvSpPr>
@@ -20296,7 +20310,7 @@
           <p:cNvSpPr txBox="1">
             <a:extLst>
               <a:ext uri="smNativeData">
-                <pr:smNativeData xmlns:pr="smNativeData" val="SMDATA_13_BbpsXRMAAAAlAAAAEgAAAE8BAAAAkAAAAEgAAACQAAAASAAAAAAAAAAAAAAAAAAAAAEAAABQAAAAAAAAAAAA4D8AAAAAAADgPwAAAAAAAOA/AAAAAAAA4D8AAAAAAADgPwAAAAAAAOA/AAAAAAAA4D8AAAAAAADgPwAAAAAAAOA/AAAAAAAA4D8CAAAAjAAAAAAAAAAAAAAAu+DjDP///wgAAAAAAAAAAAAAAAAAAAAAAAAAAAAAAAAAAAAAZAAAAAEAAABAAAAAAAAAAAAAAAAAAAAAAAAAAAAAAAAAAAAAAAAAAAAAAAAAAAAAAAAAAAAAAAAAAAAAAAAAAAAAAAAAAAAAAAAAAAAAAAAAAAAAAAAAAAAAAAAAAAAAFAAAADwAAAAAAAAAAAAAAAAAAAkUAAAAAQAAABQAAAAUAAAAFAAAAAEAAAAAAAAAZAAAAGQAAAAAAAAAZAAAAGQAAAAVAAAAYAAAAAAAAAAAAAAADwAAACADAAAAAAAAAAAAAAEAAACgMgAAVgcAAKr4//8BAAAAf39/AAEAAABkAAAAAAAAABQAAABAHwAAAAAAACYAAAAAAAAAwOD//wAAAAAmAAAAZAAAABYAAABMAAAAAAAAAAAAAAAEAAAAAAAAAAEAAACAgIAKAAAAACgAAAAoAAAAZAAAAGQAAAAAAAAAzMzMAAAAAABQAAAAUAAAAGQAAABkAAAAAAAAABcAAAAUAAAAAAAAANwIAAD/fwAA/38AAAAAAAAJAAAABAAAAPr6+v8MAAAAEAAAAAAAAAAAAAAAAAAAAAAAAAAeAAAAaAAAAAAAAAAAAAAAAAAAAAAAAAAAAAAAECcAABAnAAAAAAAAAAAAAAAAAAAAAAAAAAAAAAAAAAAAAAAAAAAAABQAAAAAAAAAwMD/AAAAAABkAAAAMgAAAAAAAABkAAAAAAAAAH9/fwAKAAAAHwAAAFQAAAC74OMF////AQAAAAAAAAAAAAAAAAAAAAAAAAAAAAAAAAAAAAAAAAAAAAAAAn9/fwCAgIADzMzMAMDA/wB/f38AAAAAAAAAAAAAAAAAAAAAAAAAAAAhAAAAGAAAABQAAADYGwAAgh4AAJUhAADCIAAAECAAACYAAAAIAAAA//////////8="/>
+                <pr:smNativeData xmlns:pr="smNativeData" val="SMDATA_13_IrKAXRMAAAAlAAAAEgAAAE8BAAAAkAAAAEgAAACQAAAASAAAAAAAAAAAAAAAAAAAAAEAAABQAAAAAAAAAAAA4D8AAAAAAADgPwAAAAAAAOA/AAAAAAAA4D8AAAAAAADgPwAAAAAAAOA/AAAAAAAA4D8AAAAAAADgPwAAAAAAAOA/AAAAAAAA4D8CAAAAjAAAAAAAAAAAAAAAu+DjDP///wgAAAAAAAAAAAAAAAAAAAAAAAAAAAAAAAAAAAAAZAAAAAEAAABAAAAAAAAAAAAAAAAAAAAAAAAAAAAAAAAAAAAAAAAAAAAAAAAAAAAAAAAAAAAAAAAAAAAAAAAAAAAAAAAAAAAAAAAAAAAAAAAAAAAAAAAAAAAAAAAAAAAAFAAAADwAAAAAAAAAAAAAAAAAAAkUAAAAAQAAABQAAAAUAAAAFAAAAAEAAAAAAAAAZAAAAGQAAAAAAAAAZAAAAGQAAAAVAAAAYAAAAAAAAAAAAAAADwAAACADAAAAAAAAAAAAAAEAAACgMgAAVgcAAKr4//8BAAAAf39/AAEAAABkAAAAAAAAABQAAABAHwAAAAAAACYAAAAAAAAAwOD//wAAAAAmAAAAZAAAABYAAABMAAAAAAAAAAAAAAAEAAAAAAAAAAEAAACAgIAKAAAAACgAAAAoAAAAZAAAAGQAAAAAAAAAzMzMAAAAAABQAAAAUAAAAGQAAABkAAAAAAAAABcAAAAUAAAAAAAAANwIAAD/fwAA/38AAAAAAAAJAAAABAAAAPr6+v8MAAAAEAAAAAAAAAAAAAAAAAAAAAAAAAAeAAAAaAAAAAAAAAAAAAAAAAAAAAAAAAAAAAAAECcAABAnAAAAAAAAAAAAAAAAAAAAAAAAAAAAAAAAAAAAAAAAAAAAABQAAAAAAAAAwMD/AAAAAABkAAAAMgAAAAAAAABkAAAAAAAAAH9/fwAKAAAAHwAAAFQAAAC74OMF////AQAAAAAAAAAAAAAAAAAAAAAAAAAAAAAAAAAAAAAAAAAAAAAAAn9/fwCAgIADzMzMAMDA/wB/f38AAAAAAAAAAAAAAAAAAAAAAAAAAAAhAAAAGAAAABQAAADYGwAAgh4AAJUhAADCIAAAECAAACYAAAAIAAAA//////////8="/>
               </a:ext>
             </a:extLst>
           </p:cNvSpPr>
@@ -20342,7 +20356,7 @@
           <p:cNvSpPr txBox="1">
             <a:extLst>
               <a:ext uri="smNativeData">
-                <pr:smNativeData xmlns:pr="smNativeData" val="SMDATA_13_BbpsXRMAAAAlAAAAEgAAAA8BAAAAkAAAAEgAAACQAAAASAAAAAAAAAAAAAAAAAAAAAEAAABQAAAAAAAAAAAA4D8AAAAAAADgPwAAAAAAAOA/AAAAAAAA4D8AAAAAAADgPwAAAAAAAOA/AAAAAAAA4D8AAAAAAADgPwAAAAAAAOA/AAAAAAAA4D8CAAAAjAAAAAAAAAAAAAAAu+DjDP///wgAAAAAAAAAAAAAAAAAAAAAAAAAAAAAAAAAAAAAZAAAAAEAAABAAAAAAAAAAAAAAAAAAAAAAAAAAAAAAAAAAAAAAAAAAAAAAAAAAAAAAAAAAAAAAAAAAAAAAAAAAAAAAAAAAAAAAAAAAAAAAAAAAAAAAAAAAAAAAAAAAAAAFAAAADwAAAAAAAAAAAAAAAAAAAkUAAAAAQAAABQAAAAUAAAAFAAAAAEAAAAAAAAAZAAAAGQAAAAAAAAAZAAAAGQAAAAVAAAAYAAAAAAAAAAAAAAADwAAACADAAAAAAAAAAAAAAEAAACgMgAAVgcAAKr4//8BAAAAf39/AAEAAABkAAAAAAAAABQAAABAHwAAAAAAACYAAAAAAAAAwOD//wAAAAAmAAAAZAAAABYAAABMAAAAAAAAAAAAAAAEAAAAAAAAAAEAAACAgIAKAAAAACgAAAAoAAAAZAAAAGQAAAAAAAAAzMzMAAAAAABQAAAAUAAAAGQAAABkAAAAAAAAABcAAAAUAAAAAAAAANwIAAD/fwAA/38AAAAAAAAJAAAABAAAAAgvOsUMAAAAEAAAAAAAAAAAAAAAAAAAAAAAAAAeAAAAaAAAAAAAAAAAAAAAAAAAAAAAAAAAAAAAECcAABAnAAAAAAAAAAAAAAAAAAAAAAAAAAAAAAAAAAAAAAAAAAAAABQAAAAAAAAAwMD/AAAAAABkAAAAMgAAAAAAAABkAAAAAAAAAH9/fwAKAAAAHwAAAFQAAAC74OMF////AQAAAAAAAAAAAAAAAAAAAAAAAAAAAAAAAAAAAAAAAAAAAAAAAn9/fwCAgIADzMzMAMDA/wB/f38AAAAAAAAAAAAAAAAAAAAAAAAAAAAhAAAAGAAAABQAAACFJQAA3yIAAEA4AAAwKgAAEAAAACYAAAAIAAAA//////////8="/>
+                <pr:smNativeData xmlns:pr="smNativeData" val="SMDATA_13_IrKAXRMAAAAlAAAAEgAAAA8BAAAAkAAAAEgAAACQAAAASAAAAAAAAAAAAAAAAAAAAAEAAABQAAAAAAAAAAAA4D8AAAAAAADgPwAAAAAAAOA/AAAAAAAA4D8AAAAAAADgPwAAAAAAAOA/AAAAAAAA4D8AAAAAAADgPwAAAAAAAOA/AAAAAAAA4D8CAAAAjAAAAAAAAAAAAAAAu+DjDP///wgAAAAAAAAAAAAAAAAAAAAAAAAAAAAAAAAAAAAAZAAAAAEAAABAAAAAAAAAAAAAAAAAAAAAAAAAAAAAAAAAAAAAAAAAAAAAAAAAAAAAAAAAAAAAAAAAAAAAAAAAAAAAAAAAAAAAAAAAAAAAAAAAAAAAAAAAAAAAAAAAAAAAFAAAADwAAAAAAAAAAAAAAAAAAAkUAAAAAQAAABQAAAAUAAAAFAAAAAEAAAAAAAAAZAAAAGQAAAAAAAAAZAAAAGQAAAAVAAAAYAAAAAAAAAAAAAAADwAAACADAAAAAAAAAAAAAAEAAACgMgAAVgcAAKr4//8BAAAAf39/AAEAAABkAAAAAAAAABQAAABAHwAAAAAAACYAAAAAAAAAwOD//wAAAAAmAAAAZAAAABYAAABMAAAAAAAAAAAAAAAEAAAAAAAAAAEAAACAgIAKAAAAACgAAAAoAAAAZAAAAGQAAAAAAAAAzMzMAAAAAABQAAAAUAAAAGQAAABkAAAAAAAAABcAAAAUAAAAAAAAANwIAAD/fwAA/38AAAAAAAAJAAAABAAAAAgvOsUMAAAAEAAAAAAAAAAAAAAAAAAAAAAAAAAeAAAAaAAAAAAAAAAAAAAAAAAAAAAAAAAAAAAAECcAABAnAAAAAAAAAAAAAAAAAAAAAAAAAAAAAAAAAAAAAAAAAAAAABQAAAAAAAAAwMD/AAAAAABkAAAAMgAAAAAAAABkAAAAAAAAAH9/fwAKAAAAHwAAAFQAAAC74OMF////AQAAAAAAAAAAAAAAAAAAAAAAAAAAAAAAAAAAAAAAAAAAAAAAAn9/fwCAgIADzMzMAMDA/wB/f38AAAAAAAAAAAAAAAAAAAAAAAAAAAAhAAAAGAAAABQAAACFJQAA3yIAAEA4AAAwKgAAEAAAACYAAAAIAAAA//////////8="/>
               </a:ext>
             </a:extLst>
           </p:cNvSpPr>
@@ -21326,6 +21340,88 @@
       </a:clrScheme>
       <a:clrMap bg1="lt1" tx1="dk1" bg2="lt2" tx2="dk2" accent1="accent1" accent2="accent2" accent3="accent3" accent4="accent4" accent5="accent5" accent6="accent6" hlink="hlink" folHlink="folHlink"/>
     </a:extraClrScheme>
+    <a:extraClrScheme>
+      <a:clrScheme name="Presentation 16">
+        <a:dk1>
+          <a:srgbClr val="000000"/>
+        </a:dk1>
+        <a:lt1>
+          <a:srgbClr val="FFFFFF"/>
+        </a:lt1>
+        <a:dk2>
+          <a:srgbClr val="000000"/>
+        </a:dk2>
+        <a:lt2>
+          <a:srgbClr val="808080"/>
+        </a:lt2>
+        <a:accent1>
+          <a:srgbClr val="BBE0E3"/>
+        </a:accent1>
+        <a:accent2>
+          <a:srgbClr val="333399"/>
+        </a:accent2>
+        <a:accent3>
+          <a:srgbClr val="535379"/>
+        </a:accent3>
+        <a:accent4>
+          <a:srgbClr val="737359"/>
+        </a:accent4>
+        <a:accent5>
+          <a:srgbClr val="939339"/>
+        </a:accent5>
+        <a:accent6>
+          <a:srgbClr val="B3B319"/>
+        </a:accent6>
+        <a:hlink>
+          <a:srgbClr val="009999"/>
+        </a:hlink>
+        <a:folHlink>
+          <a:srgbClr val="99CC00"/>
+        </a:folHlink>
+      </a:clrScheme>
+      <a:clrMap bg1="lt1" tx1="dk1" bg2="lt2" tx2="dk2" accent1="accent1" accent2="accent2" accent3="accent3" accent4="accent4" accent5="accent5" accent6="accent6" hlink="hlink" folHlink="folHlink"/>
+    </a:extraClrScheme>
+    <a:extraClrScheme>
+      <a:clrScheme name="Presentation 17">
+        <a:dk1>
+          <a:srgbClr val="000000"/>
+        </a:dk1>
+        <a:lt1>
+          <a:srgbClr val="FFFFFF"/>
+        </a:lt1>
+        <a:dk2>
+          <a:srgbClr val="000000"/>
+        </a:dk2>
+        <a:lt2>
+          <a:srgbClr val="808080"/>
+        </a:lt2>
+        <a:accent1>
+          <a:srgbClr val="BBE0E3"/>
+        </a:accent1>
+        <a:accent2>
+          <a:srgbClr val="333399"/>
+        </a:accent2>
+        <a:accent3>
+          <a:srgbClr val="535379"/>
+        </a:accent3>
+        <a:accent4>
+          <a:srgbClr val="737359"/>
+        </a:accent4>
+        <a:accent5>
+          <a:srgbClr val="939339"/>
+        </a:accent5>
+        <a:accent6>
+          <a:srgbClr val="B3B319"/>
+        </a:accent6>
+        <a:hlink>
+          <a:srgbClr val="009999"/>
+        </a:hlink>
+        <a:folHlink>
+          <a:srgbClr val="99CC00"/>
+        </a:folHlink>
+      </a:clrScheme>
+      <a:clrMap bg1="lt1" tx1="dk1" bg2="lt2" tx2="dk2" accent1="accent1" accent2="accent2" accent3="accent3" accent4="accent4" accent5="accent5" accent6="accent6" hlink="hlink" folHlink="folHlink"/>
+    </a:extraClrScheme>
   </a:extraClrSchemeLst>
 </a:theme>
 </file>
--- a/Lecture/Lecture-01-Linux-tasks-and-scheduler.pptx
+++ b/Lecture/Lecture-01-Linux-tasks-and-scheduler.pptx
@@ -261,7 +261,7 @@
             <a:spLocks noGrp="1" noChangeArrowheads="1"/>
             <a:extLst>
               <a:ext uri="smNativeData">
-                <pr:smNativeData xmlns:pr="smNativeData" val="SMDATA_13_IrKAXRMAAAAlAAAAZAAAAA8BAAAAkAAAAEgAAACQAAAASAAAAAAAAAABAAAAAAAAAAEAAABQAAAAAAAAAAAA4D8AAAAAAADgPwAAAAAAAOA/AAAAAAAA4D8AAAAAAADgPwAAAAAAAOA/AAAAAAAA4D8AAAAAAADgPwAAAAAAAOA/AAAAAAAA4D8CAAAAjAAAAAAAAAAAAAAAu+DjDP///wgAAAAAAAAAAAAAAAAAAAAAAAAAAAAAAAAAAAAAZAAAAAEAAABAAAAAAAAAAAAAAAAAAAAAAAAAAAAAAAAAAAAAAAAAAAAAAAAAAAAAAAAAAAAAAAAAAAAAAAAAAAAAAAAAAAAAAAAAAAAAAAAAAAAAAAAAAAAAAAAAAAAAFAAAADwAAAAAAAAAAAAAAAAAAAkUAAAAAQAAABQAAAAUAAAAFAAAAAEAAAAAAAAAZAAAAGQAAAAAAAAAZAAAAGQAAAAVAAAAYAAAAAAAAAAAAAAADwAAACADAAAAAAAAAAAAAAEAAACgMgAAVgcAAKr4//8BAAAAf39/AAEAAABkAAAAAAAAABQAAABAHwAAAAAAACYAAAAAAAAAwOD//wAAAAAmAAAAZAAAABYAAABMAAAAAAAAAAAAAAAEAAAAAAAAAAEAAACAgIAKAAAAACgAAAAoAAAAZAAAAGQAAAAAAAAAzMzMAAAAAABQAAAAUAAAAGQAAABkAAAAAAAAABcAAAAUAAAAAAAAAAAAAAD/fwAA/38AAAAAAAAJAAAABAAAAAAAAAAMAAAAEAAAAAAAAAAAAAAAAAAAAAAAAAAeAAAAaAAAAAAAAAAAAAAAAAAAAAAAAAAAAAAAECcAABAnAAAAAAAAAAAAAAAAAAAAAAAAAAAAAAAAAAAAAAAAAAAAABQAAAAAAAAAwMD/AAAAAABkAAAAMgAAAAAAAABkAAAAAAAAAH9/fwAKAAAAHwAAAFQAAAAAAAAFAAAAAQAAAAAAAAAAAAAAAAAAAAAAAAAAAAAAAAAAAAAAAAAAAAAAAn9/fwAAAAADzMzMAMDA/wB/f38AAAAAAAAAAAAAAAAAAAAAAAAAAAAhAAAAGAAAABQAAAA4BAAAGg0AAAg0AAAmFgAAEAAAACYAAAAIAAAAAQAAAAAAAAA="/>
+                <pr:smNativeData xmlns:pr="smNativeData" val="SMDATA_13_gcGAXRMAAAAlAAAAZAAAAA8BAAAAkAAAAEgAAACQAAAASAAAAAAAAAABAAAAAAAAAAEAAABQAAAAAAAAAAAA4D8AAAAAAADgPwAAAAAAAOA/AAAAAAAA4D8AAAAAAADgPwAAAAAAAOA/AAAAAAAA4D8AAAAAAADgPwAAAAAAAOA/AAAAAAAA4D8CAAAAjAAAAAAAAAAAAAAAu+DjDP///wgAAAAAAAAAAAAAAAAAAAAAAAAAAAAAAAAAAAAAZAAAAAEAAABAAAAAAAAAAAAAAAAAAAAAAAAAAAAAAAAAAAAAAAAAAAAAAAAAAAAAAAAAAAAAAAAAAAAAAAAAAAAAAAAAAAAAAAAAAAAAAAAAAAAAAAAAAAAAAAAAAAAAFAAAADwAAAAAAAAAAAAAAAAAAAkUAAAAAQAAABQAAAAUAAAAFAAAAAEAAAAAAAAAZAAAAGQAAAAAAAAAZAAAAGQAAAAVAAAAYAAAAAAAAAAAAAAADwAAACADAAAAAAAAAAAAAAEAAACgMgAAVgcAAKr4//8BAAAAf39/AAEAAABkAAAAAAAAABQAAABAHwAAAAAAACYAAAAAAAAAwOD//wAAAAAmAAAAZAAAABYAAABMAAAAAAAAAAAAAAAEAAAAAAAAAAEAAACAgIAKAAAAACgAAAAoAAAAZAAAAGQAAAAAAAAAzMzMAAAAAABQAAAAUAAAAGQAAABkAAAAAAAAABcAAAAUAAAAAAAAAAAAAAD/fwAA/38AAAAAAAAJAAAABAAAAAAAAAAMAAAAEAAAAAAAAAAAAAAAAAAAAAAAAAAeAAAAaAAAAAAAAAAAAAAAAAAAAAAAAAAAAAAAECcAABAnAAAAAAAAAAAAAAAAAAAAAAAAAAAAAAAAAAAAAAAAAAAAABQAAAAAAAAAwMD/AAAAAABkAAAAMgAAAAAAAABkAAAAAAAAAH9/fwAKAAAAHwAAAFQAAAAAAAAFAAAAAQAAAAAAAAAAAAAAAAAAAAAAAAAAAAAAAAAAAAAAAAAAAAAAAn9/fwAAAAADzMzMAMDA/wB/f38AAAAAAAAAAAAAAAAAAAAAAAAAAAAhAAAAGAAAABQAAAA4BAAAGg0AAAg0AAAmFgAAEAAAACYAAAAIAAAAAQAAAAAAAAA="/>
               </a:ext>
             </a:extLst>
           </p:cNvSpPr>
@@ -293,7 +293,7 @@
             <a:spLocks noGrp="1" noChangeArrowheads="1"/>
             <a:extLst>
               <a:ext uri="smNativeData">
-                <pr:smNativeData xmlns:pr="smNativeData" val="SMDATA_13_IrKAXRMAAAAlAAAAZAAAAA8BAAAAkAAAAEgAAACQAAAASAAAAAAAAAAAAAAAAAAAAAEAAABQAAAAAAAAAAAA4D8AAAAAAADgPwAAAAAAAOA/AAAAAAAA4D8AAAAAAADgPwAAAAAAAOA/AAAAAAAA4D8AAAAAAADgPwAAAAAAAOA/AAAAAAAA4D8CAAAAjAAAAAAAAAAAAAAAu+DjDP///wgAAAAAAAAAAAAAAAAAAAAAAAAAAAAAAAAAAAAAZAAAAAEAAABAAAAAAAAAAAAAAAAAAAAAAAAAAAAAAAAAAAAAAAAAAAAAAAAAAAAAAAAAAAAAAAAAAAAAAAAAAAAAAAAAAAAAAAAAAAAAAAAAAAAAAAAAAAAAAAAAAAAAFAAAADwAAAAAAAAAAAAAAAAAAAkUAAAAAQAAABQAAAAUAAAAFAAAAAEAAAAAAAAAZAAAAGQAAAAAAAAAZAAAAGQAAAAVAAAAYAAAAAAAAAAAAAAADwAAACADAAAAAAAAAAAAAAEAAACgMgAAVgcAAKr4//8BAAAAf39/AAEAAABkAAAAAAAAABQAAABAHwAAAAAAACYAAAAAAAAAwOD//wAAAAAmAAAAZAAAABYAAABMAAAAAAAAAAAAAAAEAAAAAAAAAAEAAACAgIAKAAAAACgAAAAoAAAAZAAAAGQAAAAAAAAAzMzMAAAAAABQAAAAUAAAAGQAAABkAAAAAAAAABcAAAAUAAAAAAAAAAAAAAD/fwAA/38AAAAAAAAJAAAABAAAAAYAAAAMAAAAEAAAAAAAAAAAAAAAAAAAAAAAAAAeAAAAaAAAAAAAAAAAAAAAAAAAAAAAAAAAAAAAECcAABAnAAAAAAAAAAAAAAAAAAAAAAAAAAAAAAAAAAAAAAAAAAAAABQAAAAAAAAAwMD/AAAAAABkAAAAMgAAAAAAAABkAAAAAAAAAH9/fwAKAAAAHwAAAFQAAAAAAAAFAAAAAQAAAAAAAAAAAAAAAAAAAAAAAAAAAAAAAAAAAAAAAAAAAAAAAn9/fwAAAAADzMzMAMDA/wB/f38AAAAAAAAAAAAAAAAAAAAAAAAAAAAhAAAAGAAAABQAAABwCAAA6BcAANAvAACwIgAAEAAAACYAAAAIAAAAAYAAAAAAAAA="/>
+                <pr:smNativeData xmlns:pr="smNativeData" val="SMDATA_13_gcGAXRMAAAAlAAAAZAAAAA8BAAAAkAAAAEgAAACQAAAASAAAAAAAAAAAAAAAAAAAAAEAAABQAAAAAAAAAAAA4D8AAAAAAADgPwAAAAAAAOA/AAAAAAAA4D8AAAAAAADgPwAAAAAAAOA/AAAAAAAA4D8AAAAAAADgPwAAAAAAAOA/AAAAAAAA4D8CAAAAjAAAAAAAAAAAAAAAu+DjDP///wgAAAAAAAAAAAAAAAAAAAAAAAAAAAAAAAAAAAAAZAAAAAEAAABAAAAAAAAAAAAAAAAAAAAAAAAAAAAAAAAAAAAAAAAAAAAAAAAAAAAAAAAAAAAAAAAAAAAAAAAAAAAAAAAAAAAAAAAAAAAAAAAAAAAAAAAAAAAAAAAAAAAAFAAAADwAAAAAAAAAAAAAAAAAAAkUAAAAAQAAABQAAAAUAAAAFAAAAAEAAAAAAAAAZAAAAGQAAAAAAAAAZAAAAGQAAAAVAAAAYAAAAAAAAAAAAAAADwAAACADAAAAAAAAAAAAAAEAAACgMgAAVgcAAKr4//8BAAAAf39/AAEAAABkAAAAAAAAABQAAABAHwAAAAAAACYAAAAAAAAAwOD//wAAAAAmAAAAZAAAABYAAABMAAAAAAAAAAAAAAAEAAAAAAAAAAEAAACAgIAKAAAAACgAAAAoAAAAZAAAAGQAAAAAAAAAzMzMAAAAAABQAAAAUAAAAGQAAABkAAAAAAAAABcAAAAUAAAAAAAAAAAAAAD/fwAA/38AAAAAAAAJAAAABAAAAAYAAAAMAAAAEAAAAAAAAAAAAAAAAAAAAAAAAAAeAAAAaAAAAAAAAAAAAAAAAAAAAAAAAAAAAAAAECcAABAnAAAAAAAAAAAAAAAAAAAAAAAAAAAAAAAAAAAAAAAAAAAAABQAAAAAAAAAwMD/AAAAAABkAAAAMgAAAAAAAABkAAAAAAAAAH9/fwAKAAAAHwAAAFQAAAAAAAAFAAAAAQAAAAAAAAAAAAAAAAAAAAAAAAAAAAAAAAAAAAAAAAAAAAAAAn9/fwAAAAADzMzMAMDA/wB/f38AAAAAAAAAAAAAAAAAAAAAAAAAAAAhAAAAGAAAABQAAABwCAAA6BcAANAvAACwIgAAEAAAACYAAAAIAAAAAYAAAAAAAAA="/>
               </a:ext>
             </a:extLst>
           </p:cNvSpPr>
@@ -353,7 +353,7 @@
             <a:spLocks noGrp="1" noChangeArrowheads="1"/>
             <a:extLst>
               <a:ext uri="smNativeData">
-                <pr:smNativeData xmlns:pr="smNativeData" val="SMDATA_13_IrKAXRMAAAAlAAAAZAAAAA8BAAAAkAAAAEgAAACQAAAASAAAAAAAAAABAAAAAAAAAAEAAABQAAAAAAAAAAAA4D8AAAAAAADgPwAAAAAAAOA/AAAAAAAA4D8AAAAAAADgPwAAAAAAAOA/AAAAAAAA4D8AAAAAAADgPwAAAAAAAOA/AAAAAAAA4D8CAAAAjAAAAAAAAAAAAAAAu+DjDP///wgAAAAAAAAAAAAAAAAAAAAAAAAAAAAAAAAAAAAAZAAAAAEAAABAAAAAAAAAAAAAAAAAAAAAAAAAAAAAAAAAAAAAAAAAAAAAAAAAAAAAAAAAAAAAAAAAAAAAAAAAAAAAAAAAAAAAAAAAAAAAAAAAAAAAAAAAAAAAAAAAAAAAFAAAADwAAAAAAAAAAAAAAAAAAAkUAAAAAQAAABQAAAAUAAAAFAAAAAEAAAAAAAAAZAAAAGQAAAAAAAAAZAAAAGQAAAAVAAAAYAAAAAAAAAAAAAAADwAAACADAAAAAAAAAAAAAAEAAACgMgAAVgcAAKr4//8BAAAAf39/AAEAAABkAAAAAAAAABQAAABAHwAAAAAAACYAAAAAAAAAwOD//wAAAAAmAAAAZAAAABYAAABMAAAAAAAAAAAAAAAEAAAAAAAAAAEAAACAgIAKAAAAACgAAAAoAAAAZAAAAGQAAAAAAAAAzMzMAAAAAABQAAAAUAAAAGQAAABkAAAAAAAAABcAAAAUAAAAAAAAAAAAAAD/fwAA/38AAAAAAAAJAAAABAAAAAAAAAAMAAAAEAAAAAAAAAAAAAAAAAAAAAAAAAAeAAAAaAAAAAAAAAAAAAAAAAAAAAAAAAAAAAAAECcAABAnAAAAAAAAAAAAAAAAAAAAAAAAAAAAAAAAAAAAAAAAAAAAABQAAAAAAAAAwMD/AAAAAABkAAAAMgAAAAAAAABkAAAAAAAAAH9/fwAKAAAAHwAAAFQAAAAAAAAFAAAAAQAAAAAAAAAAAAAAAAAAAAAAAAAAAAAAAAAAAAAAAAAAAAAAAn9/fwAAAAADzMzMAMDA/wB/f38AAAAAAAAAAAAAAAAAAAAAAAAAAAAhAAAAGAAAABQAAADQAgAAGycAAPAPAABZKQAAEAAAACYAAAAIAAAAAAAAAAAAAAA="/>
+                <pr:smNativeData xmlns:pr="smNativeData" val="SMDATA_13_gcGAXRMAAAAlAAAAZAAAAA8BAAAAkAAAAEgAAACQAAAASAAAAAAAAAABAAAAAAAAAAEAAABQAAAAAAAAAAAA4D8AAAAAAADgPwAAAAAAAOA/AAAAAAAA4D8AAAAAAADgPwAAAAAAAOA/AAAAAAAA4D8AAAAAAADgPwAAAAAAAOA/AAAAAAAA4D8CAAAAjAAAAAAAAAAAAAAAu+DjDP///wgAAAAAAAAAAAAAAAAAAAAAAAAAAAAAAAAAAAAAZAAAAAEAAABAAAAAAAAAAAAAAAAAAAAAAAAAAAAAAAAAAAAAAAAAAAAAAAAAAAAAAAAAAAAAAAAAAAAAAAAAAAAAAAAAAAAAAAAAAAAAAAAAAAAAAAAAAAAAAAAAAAAAFAAAADwAAAAAAAAAAAAAAAAAAAkUAAAAAQAAABQAAAAUAAAAFAAAAAEAAAAAAAAAZAAAAGQAAAAAAAAAZAAAAGQAAAAVAAAAYAAAAAAAAAAAAAAADwAAACADAAAAAAAAAAAAAAEAAACgMgAAVgcAAKr4//8BAAAAf39/AAEAAABkAAAAAAAAABQAAABAHwAAAAAAACYAAAAAAAAAwOD//wAAAAAmAAAAZAAAABYAAABMAAAAAAAAAAAAAAAEAAAAAAAAAAEAAACAgIAKAAAAACgAAAAoAAAAZAAAAGQAAAAAAAAAzMzMAAAAAABQAAAAUAAAAGQAAABkAAAAAAAAABcAAAAUAAAAAAAAAAAAAAD/fwAA/38AAAAAAAAJAAAABAAAAAAAAAAMAAAAEAAAAAAAAAAAAAAAAAAAAAAAAAAeAAAAaAAAAAAAAAAAAAAAAAAAAAAAAAAAAAAAECcAABAnAAAAAAAAAAAAAAAAAAAAAAAAAAAAAAAAAAAAAAAAAAAAABQAAAAAAAAAwMD/AAAAAABkAAAAMgAAAAAAAABkAAAAAAAAAH9/fwAKAAAAHwAAAFQAAAAAAAAFAAAAAQAAAAAAAAAAAAAAAAAAAAAAAAAAAAAAAAAAAAAAAAAAAAAAAn9/fwAAAAADzMzMAMDA/wB/f38AAAAAAAAAAAAAAAAAAAAAAAAAAAAhAAAAGAAAABQAAADQAgAAGycAAPAPAABZKQAAEAAAACYAAAAIAAAAAAAAAAAAAAA="/>
               </a:ext>
             </a:extLst>
           </p:cNvSpPr>
@@ -367,7 +367,7 @@
           <a:lstStyle/>
           <a:p>
             <a:pPr/>
-            <a:fld id="{08CE2353-1DE5-9BD5-AB76-EB806D385DBE}" type="datetime1">
+            <a:fld id="{17C12821-6FFA-94DE-B479-998B663742CC}" type="datetime1">
               <a:t/>
             </a:fld>
           </a:p>
@@ -380,7 +380,7 @@
             <a:spLocks noGrp="1" noChangeArrowheads="1"/>
             <a:extLst>
               <a:ext uri="smNativeData">
-                <pr:smNativeData xmlns:pr="smNativeData" val="SMDATA_13_IrKAXRMAAAAlAAAAZAAAAA8BAAAAkAAAAEgAAACQAAAASAAAAAAAAAABAAAAAAAAAAEAAABQAAAAAAAAAAAA4D8AAAAAAADgPwAAAAAAAOA/AAAAAAAA4D8AAAAAAADgPwAAAAAAAOA/AAAAAAAA4D8AAAAAAADgPwAAAAAAAOA/AAAAAAAA4D8CAAAAjAAAAAAAAAAAAAAAu+DjDP///wgAAAAAAAAAAAAAAAAAAAAAAAAAAAAAAAAAAAAAZAAAAAEAAABAAAAAAAAAAAAAAAAAAAAAAAAAAAAAAAAAAAAAAAAAAAAAAAAAAAAAAAAAAAAAAAAAAAAAAAAAAAAAAAAAAAAAAAAAAAAAAAAAAAAAAAAAAAAAAAAAAAAAFAAAADwAAAAAAAAAAAAAAAAAAAkUAAAAAQAAABQAAAAUAAAAFAAAAAEAAAAAAAAAZAAAAGQAAAAAAAAAZAAAAGQAAAAVAAAAYAAAAAAAAAAAAAAADwAAACADAAAAAAAAAAAAAAEAAACgMgAAVgcAAKr4//8BAAAAf39/AAEAAABkAAAAAAAAABQAAABAHwAAAAAAACYAAAAAAAAAwOD//wAAAAAmAAAAZAAAABYAAABMAAAAAAAAAAAAAAAEAAAAAAAAAAEAAACAgIAKAAAAACgAAAAoAAAAZAAAAGQAAAAAAAAAzMzMAAAAAABQAAAAUAAAAGQAAABkAAAAAAAAABcAAAAUAAAAAAAAAAAAAAD/fwAA/38AAAAAAAAJAAAABAAAAAAAAAAMAAAAEAAAAAAAAAAAAAAAAAAAAAAAAAAeAAAAaAAAAAAAAAAAAAAAAAAAAAAAAAAAAAAAECcAABAnAAAAAAAAAAAAAAAAAAAAAAAAAAAAAAAAAAAAAAAAAAAAABQAAAAAAAAAwMD/AAAAAABkAAAAMgAAAAAAAABkAAAAAAAAAH9/fwAKAAAAHwAAAFQAAAAAAAAFAAAAAQAAAAAAAAAAAAAAAAAAAAAAAAAAAAAAAAAAAAAAAAAAAAAAAn9/fwAAAAADzMzMAMDA/wB/f38AAAAAAAAAAAAAAAAAAAAAAAAAAAAhAAAAGAAAABQAAAA4EwAAGycAAAglAABZKQAAEAAAACYAAAAIAAAAAAAAAAAAAAA="/>
+                <pr:smNativeData xmlns:pr="smNativeData" val="SMDATA_13_gcGAXRMAAAAlAAAAZAAAAA8BAAAAkAAAAEgAAACQAAAASAAAAAAAAAABAAAAAAAAAAEAAABQAAAAAAAAAAAA4D8AAAAAAADgPwAAAAAAAOA/AAAAAAAA4D8AAAAAAADgPwAAAAAAAOA/AAAAAAAA4D8AAAAAAADgPwAAAAAAAOA/AAAAAAAA4D8CAAAAjAAAAAAAAAAAAAAAu+DjDP///wgAAAAAAAAAAAAAAAAAAAAAAAAAAAAAAAAAAAAAZAAAAAEAAABAAAAAAAAAAAAAAAAAAAAAAAAAAAAAAAAAAAAAAAAAAAAAAAAAAAAAAAAAAAAAAAAAAAAAAAAAAAAAAAAAAAAAAAAAAAAAAAAAAAAAAAAAAAAAAAAAAAAAFAAAADwAAAAAAAAAAAAAAAAAAAkUAAAAAQAAABQAAAAUAAAAFAAAAAEAAAAAAAAAZAAAAGQAAAAAAAAAZAAAAGQAAAAVAAAAYAAAAAAAAAAAAAAADwAAACADAAAAAAAAAAAAAAEAAACgMgAAVgcAAKr4//8BAAAAf39/AAEAAABkAAAAAAAAABQAAABAHwAAAAAAACYAAAAAAAAAwOD//wAAAAAmAAAAZAAAABYAAABMAAAAAAAAAAAAAAAEAAAAAAAAAAEAAACAgIAKAAAAACgAAAAoAAAAZAAAAGQAAAAAAAAAzMzMAAAAAABQAAAAUAAAAGQAAABkAAAAAAAAABcAAAAUAAAAAAAAAAAAAAD/fwAA/38AAAAAAAAJAAAABAAAAAAAAAAMAAAAEAAAAAAAAAAAAAAAAAAAAAAAAAAeAAAAaAAAAAAAAAAAAAAAAAAAAAAAAAAAAAAAECcAABAnAAAAAAAAAAAAAAAAAAAAAAAAAAAAAAAAAAAAAAAAAAAAABQAAAAAAAAAwMD/AAAAAABkAAAAMgAAAAAAAABkAAAAAAAAAH9/fwAKAAAAHwAAAFQAAAAAAAAFAAAAAQAAAAAAAAAAAAAAAAAAAAAAAAAAAAAAAAAAAAAAAAAAAAAAAn9/fwAAAAADzMzMAMDA/wB/f38AAAAAAAAAAAAAAAAAAAAAAAAAAAAhAAAAGAAAABQAAAA4EwAAGycAAAglAABZKQAAEAAAACYAAAAIAAAAAAAAAAAAAAA="/>
               </a:ext>
             </a:extLst>
           </p:cNvSpPr>
@@ -404,7 +404,7 @@
             <a:spLocks noGrp="1" noChangeArrowheads="1"/>
             <a:extLst>
               <a:ext uri="smNativeData">
-                <pr:smNativeData xmlns:pr="smNativeData" val="SMDATA_13_IrKAXRMAAAAlAAAAZAAAAA8BAAAAkAAAAEgAAACQAAAASAAAAAAAAAABAAAAAAAAAAEAAABQAAAAAAAAAAAA4D8AAAAAAADgPwAAAAAAAOA/AAAAAAAA4D8AAAAAAADgPwAAAAAAAOA/AAAAAAAA4D8AAAAAAADgPwAAAAAAAOA/AAAAAAAA4D8CAAAAjAAAAAAAAAAAAAAAu+DjDP///wgAAAAAAAAAAAAAAAAAAAAAAAAAAAAAAAAAAAAAZAAAAAEAAABAAAAAAAAAAAAAAAAAAAAAAAAAAAAAAAAAAAAAAAAAAAAAAAAAAAAAAAAAAAAAAAAAAAAAAAAAAAAAAAAAAAAAAAAAAAAAAAAAAAAAAAAAAAAAAAAAAAAAFAAAADwAAAAAAAAAAAAAAAAAAAkUAAAAAQAAABQAAAAUAAAAFAAAAAEAAAAAAAAAZAAAAGQAAAAAAAAAZAAAAGQAAAAVAAAAYAAAAAAAAAAAAAAADwAAACADAAAAAAAAAAAAAAEAAACgMgAAVgcAAKr4//8BAAAAf39/AAEAAABkAAAAAAAAABQAAABAHwAAAAAAACYAAAAAAAAAwOD//wAAAAAmAAAAZAAAABYAAABMAAAAAAAAAAAAAAAEAAAAAAAAAAEAAACAgIAKAAAAACgAAAAoAAAAZAAAAGQAAAAAAAAAzMzMAAAAAABQAAAAUAAAAGQAAABkAAAAAAAAABcAAAAUAAAAAAAAAAAAAAD/fwAA/38AAAAAAAAJAAAABAAAAAAAAAAMAAAAEAAAAAAAAAAAAAAAAAAAAAAAAAAeAAAAaAAAAAAAAAAAAAAAAAAAAAAAAAAAAAAAECcAABAnAAAAAAAAAAAAAAAAAAAAAAAAAAAAAAAAAAAAAAAAAAAAABQAAAAAAAAAwMD/AAAAAABkAAAAMgAAAAAAAABkAAAAAAAAAH9/fwAKAAAAHwAAAFQAAAAAAAAFAAAAAQAAAAAAAAAAAAAAAAAAAAAAAAAAAAAAAAAAAAAAAAAAAAAAAn9/fwAAAAADzMzMAMDA/wB/f38AAAAAAAAAAAAAAAAAAAAAAAAAAAAhAAAAGAAAABQAAABQKAAAGycAAHA1AABZKQAAEAAAACYAAAAIAAAAAAAAAAAAAAA="/>
+                <pr:smNativeData xmlns:pr="smNativeData" val="SMDATA_13_gcGAXRMAAAAlAAAAZAAAAA8BAAAAkAAAAEgAAACQAAAASAAAAAAAAAABAAAAAAAAAAEAAABQAAAAAAAAAAAA4D8AAAAAAADgPwAAAAAAAOA/AAAAAAAA4D8AAAAAAADgPwAAAAAAAOA/AAAAAAAA4D8AAAAAAADgPwAAAAAAAOA/AAAAAAAA4D8CAAAAjAAAAAAAAAAAAAAAu+DjDP///wgAAAAAAAAAAAAAAAAAAAAAAAAAAAAAAAAAAAAAZAAAAAEAAABAAAAAAAAAAAAAAAAAAAAAAAAAAAAAAAAAAAAAAAAAAAAAAAAAAAAAAAAAAAAAAAAAAAAAAAAAAAAAAAAAAAAAAAAAAAAAAAAAAAAAAAAAAAAAAAAAAAAAFAAAADwAAAAAAAAAAAAAAAAAAAkUAAAAAQAAABQAAAAUAAAAFAAAAAEAAAAAAAAAZAAAAGQAAAAAAAAAZAAAAGQAAAAVAAAAYAAAAAAAAAAAAAAADwAAACADAAAAAAAAAAAAAAEAAACgMgAAVgcAAKr4//8BAAAAf39/AAEAAABkAAAAAAAAABQAAABAHwAAAAAAACYAAAAAAAAAwOD//wAAAAAmAAAAZAAAABYAAABMAAAAAAAAAAAAAAAEAAAAAAAAAAEAAACAgIAKAAAAACgAAAAoAAAAZAAAAGQAAAAAAAAAzMzMAAAAAABQAAAAUAAAAGQAAABkAAAAAAAAABcAAAAUAAAAAAAAAAAAAAD/fwAA/38AAAAAAAAJAAAABAAAAAAAAAAMAAAAEAAAAAAAAAAAAAAAAAAAAAAAAAAeAAAAaAAAAAAAAAAAAAAAAAAAAAAAAAAAAAAAECcAABAnAAAAAAAAAAAAAAAAAAAAAAAAAAAAAAAAAAAAAAAAAAAAABQAAAAAAAAAwMD/AAAAAABkAAAAMgAAAAAAAABkAAAAAAAAAH9/fwAKAAAAHwAAAFQAAAAAAAAFAAAAAQAAAAAAAAAAAAAAAAAAAAAAAAAAAAAAAAAAAAAAAAAAAAAAAn9/fwAAAAADzMzMAMDA/wB/f38AAAAAAAAAAAAAAAAAAAAAAAAAAAAhAAAAGAAAABQAAABQKAAAGycAAHA1AABZKQAAEAAAACYAAAAIAAAAAAAAAAAAAAA="/>
               </a:ext>
             </a:extLst>
           </p:cNvSpPr>
@@ -418,7 +418,7 @@
           <a:lstStyle/>
           <a:p>
             <a:pPr/>
-            <a:fld id="{7D45995D-1390-106F-DEFD-E53AD7B328B0}" type="slidenum">
+            <a:fld id="{086F023C-72E5-3AF4-ABD7-84A14C995DD1}" type="slidenum">
               <a:t/>
             </a:fld>
           </a:p>
@@ -456,7 +456,7 @@
             <a:spLocks noGrp="1" noChangeArrowheads="1"/>
             <a:extLst>
               <a:ext uri="smNativeData">
-                <pr:smNativeData xmlns:pr="smNativeData" val="SMDATA_13_IrKAXRMAAAAlAAAAZAAAAA8BAAAAkAAAAEgAAACQAAAASAAAAAAAAAABAAAAAAAAAAEAAABQAAAAAAAAAAAA4D8AAAAAAADgPwAAAAAAAOA/AAAAAAAA4D8AAAAAAADgPwAAAAAAAOA/AAAAAAAA4D8AAAAAAADgPwAAAAAAAOA/AAAAAAAA4D8CAAAAjAAAAAAAAAAAAAAAu+DjDP///wgAAAAAAAAAAAAAAAAAAAAAAAAAAAAAAAAAAAAAZAAAAAEAAABAAAAAAAAAAAAAAAAAAAAAAAAAAAAAAAAAAAAAAAAAAAAAAAAAAAAAAAAAAAAAAAAAAAAAAAAAAAAAAAAAAAAAAAAAAAAAAAAAAAAAAAAAAAAAAAAAAAAAFAAAADwAAAAAAAAAAAAAAAAAAAkUAAAAAQAAABQAAAAUAAAAFAAAAAEAAAAAAAAAZAAAAGQAAAAAAAAAZAAAAGQAAAAVAAAAYAAAAAAAAAAAAAAADwAAACADAAAAAAAAAAAAAAEAAACgMgAAVgcAAKr4//8BAAAAf39/AAEAAABkAAAAAAAAABQAAABAHwAAAAAAACYAAAAAAAAAwOD//wAAAAAmAAAAZAAAABYAAABMAAAAAAAAAAAAAAAEAAAAAAAAAAEAAACAgIAKAAAAACgAAAAoAAAAZAAAAGQAAAAAAAAAzMzMAAAAAABQAAAAUAAAAGQAAABkAAAAAAAAABcAAAAUAAAAAAAAAAAAAAD/fwAA/38AAAAAAAAJAAAABAAAAAYZAAAMAAAAEAAAAAAAAAAAAAAAAAAAAAAAAAAeAAAAaAAAAAAAAAAAAAAAAAAAAAAAAAAAAAAAECcAABAnAAAAAAAAAAAAAAAAAAAAAAAAAAAAAAAAAAAAAAAAAAAAABQAAAAAAAAAwMD/AAAAAABkAAAAMgAAAAAAAABkAAAAAAAAAH9/fwAKAAAAHwAAAFQAAAAAAAAFAAAAAQAAAAAAAAAAAAAAAAAAAAAAAAAAAAAAAAAAAAAAAAAAAAAAAn9/fwAAAAADzMzMAMDA/wB/f38AAAAAAAAAAAAAAAAAAAAAAAAAAAAhAAAAGAAAABQAAADQAgAAsAEAAHA1AAC4CAAAEAAAACYAAAAIAAAAAAAAAAAAAAA="/>
+                <pr:smNativeData xmlns:pr="smNativeData" val="SMDATA_13_gcGAXRMAAAAlAAAAZAAAAA8BAAAAkAAAAEgAAACQAAAASAAAAAAAAAABAAAAAAAAAAEAAABQAAAAAAAAAAAA4D8AAAAAAADgPwAAAAAAAOA/AAAAAAAA4D8AAAAAAADgPwAAAAAAAOA/AAAAAAAA4D8AAAAAAADgPwAAAAAAAOA/AAAAAAAA4D8CAAAAjAAAAAAAAAAAAAAAu+DjDP///wgAAAAAAAAAAAAAAAAAAAAAAAAAAAAAAAAAAAAAZAAAAAEAAABAAAAAAAAAAAAAAAAAAAAAAAAAAAAAAAAAAAAAAAAAAAAAAAAAAAAAAAAAAAAAAAAAAAAAAAAAAAAAAAAAAAAAAAAAAAAAAAAAAAAAAAAAAAAAAAAAAAAAFAAAADwAAAAAAAAAAAAAAAAAAAkUAAAAAQAAABQAAAAUAAAAFAAAAAEAAAAAAAAAZAAAAGQAAAAAAAAAZAAAAGQAAAAVAAAAYAAAAAAAAAAAAAAADwAAACADAAAAAAAAAAAAAAEAAACgMgAAVgcAAKr4//8BAAAAf39/AAEAAABkAAAAAAAAABQAAABAHwAAAAAAACYAAAAAAAAAwOD//wAAAAAmAAAAZAAAABYAAABMAAAAAAAAAAAAAAAEAAAAAAAAAAEAAACAgIAKAAAAACgAAAAoAAAAZAAAAGQAAAAAAAAAzMzMAAAAAABQAAAAUAAAAGQAAABkAAAAAAAAABcAAAAUAAAAAAAAAAAAAAD/fwAA/38AAAAAAAAJAAAABAAAAAYZAAAMAAAAEAAAAAAAAAAAAAAAAAAAAAAAAAAeAAAAaAAAAAAAAAAAAAAAAAAAAAAAAAAAAAAAECcAABAnAAAAAAAAAAAAAAAAAAAAAAAAAAAAAAAAAAAAAAAAAAAAABQAAAAAAAAAwMD/AAAAAABkAAAAMgAAAAAAAABkAAAAAAAAAH9/fwAKAAAAHwAAAFQAAAAAAAAFAAAAAQAAAAAAAAAAAAAAAAAAAAAAAAAAAAAAAAAAAAAAAAAAAAAAAn9/fwAAAAADzMzMAMDA/wB/f38AAAAAAAAAAAAAAAAAAAAAAAAAAAAhAAAAGAAAABQAAADQAgAAsAEAAHA1AAC4CAAAEAAAACYAAAAIAAAAAAAAAAAAAAA="/>
               </a:ext>
             </a:extLst>
           </p:cNvSpPr>
@@ -483,7 +483,7 @@
             <a:spLocks noGrp="1" noChangeArrowheads="1"/>
             <a:extLst>
               <a:ext uri="smNativeData">
-                <pr:smNativeData xmlns:pr="smNativeData" val="SMDATA_13_IrKAXRMAAAAlAAAAZAAAAA8BAAAAkAAAAEgAAACQAAAASAAAAAAAAAAAAAAAAQAAAAEAAABQAAAAAAAAAAAA4D8AAAAAAADgPwAAAAAAAOA/AAAAAAAA4D8AAAAAAADgPwAAAAAAAOA/AAAAAAAA4D8AAAAAAADgPwAAAAAAAOA/AAAAAAAA4D8CAAAAjAAAAAAAAAAAAAAAu+DjDP///wgAAAAAAAAAAAAAAAAAAAAAAAAAAAAAAAAAAAAAZAAAAAEAAABAAAAAAAAAAAAAAAAAAAAAAAAAAAAAAAAAAAAAAAAAAAAAAAAAAAAAAAAAAAAAAAAAAAAAAAAAAAAAAAAAAAAAAAAAAAAAAAAAAAAAAAAAAAAAAAAAAAAAFAAAADwAAAAAAAAAAAAAAAAAAAkUAAAAAQAAABQAAAAUAAAAFAAAAAEAAAAAAAAAZAAAAGQAAAAAAAAAZAAAAGQAAAAVAAAAYAAAAAAAAAAAAAAADwAAACADAAAAAAAAAAAAAAEAAACgMgAAVgcAAKr4//8BAAAAf39/AAEAAABkAAAAAAAAABQAAABAHwAAAAAAACYAAAAAAAAAwOD//wAAAAAmAAAAZAAAABYAAABMAAAAAAAAAAAAAAAEAAAAAAAAAAEAAACAgIAKAAAAACgAAAAoAAAAZAAAAGQAAAAAAAAAzMzMAAAAAABQAAAAUAAAAGQAAABkAAAAAAAAABcAAAAUAAAAAAAAAAAAAAD/fwAA/38AAAAAAAAJAAAABAAAAAYZAAAMAAAAEAAAAAAAAAAAAAAAAAAAAAAAAAAeAAAAaAAAAAAAAAAAAAAAAAAAAAAAAAAAAAAAECcAABAnAAAAAAAAAAAAAAAAAAAAAAAAAAAAAAAAAAAAAAAAAAAAABQAAAAAAAAAwMD/AAAAAABkAAAAMgAAAAAAAABkAAAAAAAAAH9/fwAKAAAAHwAAAFQAAAAAAAAFAAAAAQAAAAAAAAAAAAAAAAAAAAAAAAAAAAAAAAAAAAAAAAAAAAAAAn9/fwAAAAADzMzMAMDA/wB/f38AAAAAAAAAAAAAAAAAAAAAAAAAAAAhAAAAGAAAABQAAADQAgAA2AkAAHA1AACwJQAAEAAAACYAAAAIAAAAAgAAAAAAAAA="/>
+                <pr:smNativeData xmlns:pr="smNativeData" val="SMDATA_13_gcGAXRMAAAAlAAAAZAAAAA8BAAAAkAAAAEgAAACQAAAASAAAAAAAAAAAAAAAAQAAAAEAAABQAAAAAAAAAAAA4D8AAAAAAADgPwAAAAAAAOA/AAAAAAAA4D8AAAAAAADgPwAAAAAAAOA/AAAAAAAA4D8AAAAAAADgPwAAAAAAAOA/AAAAAAAA4D8CAAAAjAAAAAAAAAAAAAAAu+DjDP///wgAAAAAAAAAAAAAAAAAAAAAAAAAAAAAAAAAAAAAZAAAAAEAAABAAAAAAAAAAAAAAAAAAAAAAAAAAAAAAAAAAAAAAAAAAAAAAAAAAAAAAAAAAAAAAAAAAAAAAAAAAAAAAAAAAAAAAAAAAAAAAAAAAAAAAAAAAAAAAAAAAAAAFAAAADwAAAAAAAAAAAAAAAAAAAkUAAAAAQAAABQAAAAUAAAAFAAAAAEAAAAAAAAAZAAAAGQAAAAAAAAAZAAAAGQAAAAVAAAAYAAAAAAAAAAAAAAADwAAACADAAAAAAAAAAAAAAEAAACgMgAAVgcAAKr4//8BAAAAf39/AAEAAABkAAAAAAAAABQAAABAHwAAAAAAACYAAAAAAAAAwOD//wAAAAAmAAAAZAAAABYAAABMAAAAAAAAAAAAAAAEAAAAAAAAAAEAAACAgIAKAAAAACgAAAAoAAAAZAAAAGQAAAAAAAAAzMzMAAAAAABQAAAAUAAAAGQAAABkAAAAAAAAABcAAAAUAAAAAAAAAAAAAAD/fwAA/38AAAAAAAAJAAAABAAAAAYZAAAMAAAAEAAAAAAAAAAAAAAAAAAAAAAAAAAeAAAAaAAAAAAAAAAAAAAAAAAAAAAAAAAAAAAAECcAABAnAAAAAAAAAAAAAAAAAAAAAAAAAAAAAAAAAAAAAAAAAAAAABQAAAAAAAAAwMD/AAAAAABkAAAAMgAAAAAAAABkAAAAAAAAAH9/fwAKAAAAHwAAAFQAAAAAAAAFAAAAAQAAAAAAAAAAAAAAAAAAAAAAAAAAAAAAAAAAAAAAAAAAAAAAAn9/fwAAAAADzMzMAMDA/wB/f38AAAAAAAAAAAAAAAAAAAAAAAAAAAAhAAAAGAAAABQAAADQAgAA2AkAAHA1AACwJQAAEAAAACYAAAAIAAAAAgAAAAAAAAA="/>
               </a:ext>
             </a:extLst>
           </p:cNvSpPr>
@@ -538,7 +538,7 @@
             <a:spLocks noGrp="1" noChangeArrowheads="1"/>
             <a:extLst>
               <a:ext uri="smNativeData">
-                <pr:smNativeData xmlns:pr="smNativeData" val="SMDATA_13_IrKAXRMAAAAlAAAAZAAAAA8BAAAAkAAAAEgAAACQAAAASAAAAAAAAAABAAAAAAAAAAEAAABQAAAAAAAAAAAA4D8AAAAAAADgPwAAAAAAAOA/AAAAAAAA4D8AAAAAAADgPwAAAAAAAOA/AAAAAAAA4D8AAAAAAADgPwAAAAAAAOA/AAAAAAAA4D8CAAAAjAAAAAAAAAAAAAAAu+DjDP///wgAAAAAAAAAAAAAAAAAAAAAAAAAAAAAAAAAAAAAZAAAAAEAAABAAAAAAAAAAAAAAAAAAAAAAAAAAAAAAAAAAAAAAAAAAAAAAAAAAAAAAAAAAAAAAAAAAAAAAAAAAAAAAAAAAAAAAAAAAAAAAAAAAAAAAAAAAAAAAAAAAAAAFAAAADwAAAAAAAAAAAAAAAAAAAkUAAAAAQAAABQAAAAUAAAAFAAAAAEAAAAAAAAAZAAAAGQAAAAAAAAAZAAAAGQAAAAVAAAAYAAAAAAAAAAAAAAADwAAACADAAAAAAAAAAAAAAEAAACgMgAAVgcAAKr4//8BAAAAf39/AAEAAABkAAAAAAAAABQAAABAHwAAAAAAACYAAAAAAAAAwOD//wAAAAAmAAAAZAAAABYAAABMAAAAAAAAAAAAAAAEAAAAAAAAAAEAAACAgIAKAAAAACgAAAAoAAAAZAAAAGQAAAAAAAAAzMzMAAAAAABQAAAAUAAAAGQAAABkAAAAAAAAABcAAAAUAAAAAAAAAAAAAAD/fwAA/38AAAAAAAAJAAAABAAAAAYZAAAMAAAAEAAAAAAAAAAAAAAAAAAAAAAAAAAeAAAAaAAAAAAAAAAAAAAAAAAAAAAAAAAAAAAAECcAABAnAAAAAAAAAAAAAAAAAAAAAAAAAAAAAAAAAAAAAAAAAAAAABQAAAAAAAAAwMD/AAAAAABkAAAAMgAAAAAAAABkAAAAAAAAAH9/fwAKAAAAHwAAAFQAAAAAAAAFAAAAAQAAAAAAAAAAAAAAAAAAAAAAAAAAAAAAAAAAAAAAAAAAAAAAAn9/fwAAAAADzMzMAMDA/wB/f38AAAAAAAAAAAAAAAAAAAAAAAAAAAAhAAAAGAAAABQAAADQAgAAGycAAPAPAABZKQAAEAAAACYAAAAIAAAAAAAAAAAAAAA="/>
+                <pr:smNativeData xmlns:pr="smNativeData" val="SMDATA_13_gcGAXRMAAAAlAAAAZAAAAA8BAAAAkAAAAEgAAACQAAAASAAAAAAAAAABAAAAAAAAAAEAAABQAAAAAAAAAAAA4D8AAAAAAADgPwAAAAAAAOA/AAAAAAAA4D8AAAAAAADgPwAAAAAAAOA/AAAAAAAA4D8AAAAAAADgPwAAAAAAAOA/AAAAAAAA4D8CAAAAjAAAAAAAAAAAAAAAu+DjDP///wgAAAAAAAAAAAAAAAAAAAAAAAAAAAAAAAAAAAAAZAAAAAEAAABAAAAAAAAAAAAAAAAAAAAAAAAAAAAAAAAAAAAAAAAAAAAAAAAAAAAAAAAAAAAAAAAAAAAAAAAAAAAAAAAAAAAAAAAAAAAAAAAAAAAAAAAAAAAAAAAAAAAAFAAAADwAAAAAAAAAAAAAAAAAAAkUAAAAAQAAABQAAAAUAAAAFAAAAAEAAAAAAAAAZAAAAGQAAAAAAAAAZAAAAGQAAAAVAAAAYAAAAAAAAAAAAAAADwAAACADAAAAAAAAAAAAAAEAAACgMgAAVgcAAKr4//8BAAAAf39/AAEAAABkAAAAAAAAABQAAABAHwAAAAAAACYAAAAAAAAAwOD//wAAAAAmAAAAZAAAABYAAABMAAAAAAAAAAAAAAAEAAAAAAAAAAEAAACAgIAKAAAAACgAAAAoAAAAZAAAAGQAAAAAAAAAzMzMAAAAAABQAAAAUAAAAGQAAABkAAAAAAAAABcAAAAUAAAAAAAAAAAAAAD/fwAA/38AAAAAAAAJAAAABAAAAAYZAAAMAAAAEAAAAAAAAAAAAAAAAAAAAAAAAAAeAAAAaAAAAAAAAAAAAAAAAAAAAAAAAAAAAAAAECcAABAnAAAAAAAAAAAAAAAAAAAAAAAAAAAAAAAAAAAAAAAAAAAAABQAAAAAAAAAwMD/AAAAAABkAAAAMgAAAAAAAABkAAAAAAAAAH9/fwAKAAAAHwAAAFQAAAAAAAAFAAAAAQAAAAAAAAAAAAAAAAAAAAAAAAAAAAAAAAAAAAAAAAAAAAAAAn9/fwAAAAADzMzMAMDA/wB/f38AAAAAAAAAAAAAAAAAAAAAAAAAAAAhAAAAGAAAABQAAADQAgAAGycAAPAPAABZKQAAEAAAACYAAAAIAAAAAAAAAAAAAAA="/>
               </a:ext>
             </a:extLst>
           </p:cNvSpPr>
@@ -552,7 +552,7 @@
           <a:lstStyle/>
           <a:p>
             <a:pPr/>
-            <a:fld id="{6E7774A1-EF83-2282-CDCF-19D73A813B4C}" type="datetime1">
+            <a:fld id="{014C4B01-4FEC-19BD-A2F4-B9E805BA54EC}" type="datetime1">
               <a:t/>
             </a:fld>
           </a:p>
@@ -565,7 +565,7 @@
             <a:spLocks noGrp="1" noChangeArrowheads="1"/>
             <a:extLst>
               <a:ext uri="smNativeData">
-                <pr:smNativeData xmlns:pr="smNativeData" val="SMDATA_13_IrKAXRMAAAAlAAAAZAAAAA8BAAAAkAAAAEgAAACQAAAASAAAAAAAAAABAAAAAAAAAAEAAABQAAAAAAAAAAAA4D8AAAAAAADgPwAAAAAAAOA/AAAAAAAA4D8AAAAAAADgPwAAAAAAAOA/AAAAAAAA4D8AAAAAAADgPwAAAAAAAOA/AAAAAAAA4D8CAAAAjAAAAAAAAAAAAAAAu+DjDP///wgAAAAAAAAAAAAAAAAAAAAAAAAAAAAAAAAAAAAAZAAAAAEAAABAAAAAAAAAAAAAAAAAAAAAAAAAAAAAAAAAAAAAAAAAAAAAAAAAAAAAAAAAAAAAAAAAAAAAAAAAAAAAAAAAAAAAAAAAAAAAAAAAAAAAAAAAAAAAAAAAAAAAFAAAADwAAAAAAAAAAAAAAAAAAAkUAAAAAQAAABQAAAAUAAAAFAAAAAEAAAAAAAAAZAAAAGQAAAAAAAAAZAAAAGQAAAAVAAAAYAAAAAAAAAAAAAAADwAAACADAAAAAAAAAAAAAAEAAACgMgAAVgcAAKr4//8BAAAAf39/AAEAAABkAAAAAAAAABQAAABAHwAAAAAAACYAAAAAAAAAwOD//wAAAAAmAAAAZAAAABYAAABMAAAAAAAAAAAAAAAEAAAAAAAAAAEAAACAgIAKAAAAACgAAAAoAAAAZAAAAGQAAAAAAAAAzMzMAAAAAABQAAAAUAAAAGQAAABkAAAAAAAAABcAAAAUAAAAAAAAAAAAAAD/fwAA/38AAAAAAAAJAAAABAAAAAAAAAAMAAAAEAAAAAAAAAAAAAAAAAAAAAAAAAAeAAAAaAAAAAAAAAAAAAAAAAAAAAAAAAAAAAAAECcAABAnAAAAAAAAAAAAAAAAAAAAAAAAAAAAAAAAAAAAAAAAAAAAABQAAAAAAAAAwMD/AAAAAABkAAAAMgAAAAAAAABkAAAAAAAAAH9/fwAKAAAAHwAAAFQAAAAAAAAFAAAAAQAAAAAAAAAAAAAAAAAAAAAAAAAAAAAAAAAAAAAAAAAAAAAAAn9/fwAAAAADzMzMAMDA/wB/f38AAAAAAAAAAAAAAAAAAAAAAAAAAAAhAAAAGAAAABQAAAA4EwAAGycAAAglAABZKQAAEAAAACYAAAAIAAAAAAAAAAAAAAA="/>
+                <pr:smNativeData xmlns:pr="smNativeData" val="SMDATA_13_gcGAXRMAAAAlAAAAZAAAAA8BAAAAkAAAAEgAAACQAAAASAAAAAAAAAABAAAAAAAAAAEAAABQAAAAAAAAAAAA4D8AAAAAAADgPwAAAAAAAOA/AAAAAAAA4D8AAAAAAADgPwAAAAAAAOA/AAAAAAAA4D8AAAAAAADgPwAAAAAAAOA/AAAAAAAA4D8CAAAAjAAAAAAAAAAAAAAAu+DjDP///wgAAAAAAAAAAAAAAAAAAAAAAAAAAAAAAAAAAAAAZAAAAAEAAABAAAAAAAAAAAAAAAAAAAAAAAAAAAAAAAAAAAAAAAAAAAAAAAAAAAAAAAAAAAAAAAAAAAAAAAAAAAAAAAAAAAAAAAAAAAAAAAAAAAAAAAAAAAAAAAAAAAAAFAAAADwAAAAAAAAAAAAAAAAAAAkUAAAAAQAAABQAAAAUAAAAFAAAAAEAAAAAAAAAZAAAAGQAAAAAAAAAZAAAAGQAAAAVAAAAYAAAAAAAAAAAAAAADwAAACADAAAAAAAAAAAAAAEAAACgMgAAVgcAAKr4//8BAAAAf39/AAEAAABkAAAAAAAAABQAAABAHwAAAAAAACYAAAAAAAAAwOD//wAAAAAmAAAAZAAAABYAAABMAAAAAAAAAAAAAAAEAAAAAAAAAAEAAACAgIAKAAAAACgAAAAoAAAAZAAAAGQAAAAAAAAAzMzMAAAAAABQAAAAUAAAAGQAAABkAAAAAAAAABcAAAAUAAAAAAAAAAAAAAD/fwAA/38AAAAAAAAJAAAABAAAAAAAAAAMAAAAEAAAAAAAAAAAAAAAAAAAAAAAAAAeAAAAaAAAAAAAAAAAAAAAAAAAAAAAAAAAAAAAECcAABAnAAAAAAAAAAAAAAAAAAAAAAAAAAAAAAAAAAAAAAAAAAAAABQAAAAAAAAAwMD/AAAAAABkAAAAMgAAAAAAAABkAAAAAAAAAH9/fwAKAAAAHwAAAFQAAAAAAAAFAAAAAQAAAAAAAAAAAAAAAAAAAAAAAAAAAAAAAAAAAAAAAAAAAAAAAn9/fwAAAAADzMzMAMDA/wB/f38AAAAAAAAAAAAAAAAAAAAAAAAAAAAhAAAAGAAAABQAAAA4EwAAGycAAAglAABZKQAAEAAAACYAAAAIAAAAAAAAAAAAAAA="/>
               </a:ext>
             </a:extLst>
           </p:cNvSpPr>
@@ -589,7 +589,7 @@
             <a:spLocks noGrp="1" noChangeArrowheads="1"/>
             <a:extLst>
               <a:ext uri="smNativeData">
-                <pr:smNativeData xmlns:pr="smNativeData" val="SMDATA_13_IrKAXRMAAAAlAAAAZAAAAA8BAAAAkAAAAEgAAACQAAAASAAAAAAAAAABAAAAAAAAAAEAAABQAAAAAAAAAAAA4D8AAAAAAADgPwAAAAAAAOA/AAAAAAAA4D8AAAAAAADgPwAAAAAAAOA/AAAAAAAA4D8AAAAAAADgPwAAAAAAAOA/AAAAAAAA4D8CAAAAjAAAAAAAAAAAAAAAu+DjDP///wgAAAAAAAAAAAAAAAAAAAAAAAAAAAAAAAAAAAAAZAAAAAEAAABAAAAAAAAAAAAAAAAAAAAAAAAAAAAAAAAAAAAAAAAAAAAAAAAAAAAAAAAAAAAAAAAAAAAAAAAAAAAAAAAAAAAAAAAAAAAAAAAAAAAAAAAAAAAAAAAAAAAAFAAAADwAAAAAAAAAAAAAAAAAAAkUAAAAAQAAABQAAAAUAAAAFAAAAAEAAAAAAAAAZAAAAGQAAAAAAAAAZAAAAGQAAAAVAAAAYAAAAAAAAAAAAAAADwAAACADAAAAAAAAAAAAAAEAAACgMgAAVgcAAKr4//8BAAAAf39/AAEAAABkAAAAAAAAABQAAABAHwAAAAAAACYAAAAAAAAAwOD//wAAAAAmAAAAZAAAABYAAABMAAAAAAAAAAAAAAAEAAAAAAAAAAEAAACAgIAKAAAAACgAAAAoAAAAZAAAAGQAAAAAAAAAzMzMAAAAAABQAAAAUAAAAGQAAABkAAAAAAAAABcAAAAUAAAAAAAAAAAAAAD/fwAA/38AAAAAAAAJAAAABAAAAC0sICAMAAAAEAAAAAAAAAAAAAAAAAAAAAAAAAAeAAAAaAAAAAAAAAAAAAAAAAAAAAAAAAAAAAAAECcAABAnAAAAAAAAAAAAAAAAAAAAAAAAAAAAAAAAAAAAAAAAAAAAABQAAAAAAAAAwMD/AAAAAABkAAAAMgAAAAAAAABkAAAAAAAAAH9/fwAKAAAAHwAAAFQAAAAAAAAFAAAAAQAAAAAAAAAAAAAAAAAAAAAAAAAAAAAAAAAAAAAAAAAAAAAAAn9/fwAAAAADzMzMAMDA/wB/f38AAAAAAAAAAAAAAAAAAAAAAAAAAAAhAAAAGAAAABQAAABQKAAAGycAAHA1AABZKQAAEAAAACYAAAAIAAAAAAAAAAAAAAA="/>
+                <pr:smNativeData xmlns:pr="smNativeData" val="SMDATA_13_gcGAXRMAAAAlAAAAZAAAAA8BAAAAkAAAAEgAAACQAAAASAAAAAAAAAABAAAAAAAAAAEAAABQAAAAAAAAAAAA4D8AAAAAAADgPwAAAAAAAOA/AAAAAAAA4D8AAAAAAADgPwAAAAAAAOA/AAAAAAAA4D8AAAAAAADgPwAAAAAAAOA/AAAAAAAA4D8CAAAAjAAAAAAAAAAAAAAAu+DjDP///wgAAAAAAAAAAAAAAAAAAAAAAAAAAAAAAAAAAAAAZAAAAAEAAABAAAAAAAAAAAAAAAAAAAAAAAAAAAAAAAAAAAAAAAAAAAAAAAAAAAAAAAAAAAAAAAAAAAAAAAAAAAAAAAAAAAAAAAAAAAAAAAAAAAAAAAAAAAAAAAAAAAAAFAAAADwAAAAAAAAAAAAAAAAAAAkUAAAAAQAAABQAAAAUAAAAFAAAAAEAAAAAAAAAZAAAAGQAAAAAAAAAZAAAAGQAAAAVAAAAYAAAAAAAAAAAAAAADwAAACADAAAAAAAAAAAAAAEAAACgMgAAVgcAAKr4//8BAAAAf39/AAEAAABkAAAAAAAAABQAAABAHwAAAAAAACYAAAAAAAAAwOD//wAAAAAmAAAAZAAAABYAAABMAAAAAAAAAAAAAAAEAAAAAAAAAAEAAACAgIAKAAAAACgAAAAoAAAAZAAAAGQAAAAAAAAAzMzMAAAAAABQAAAAUAAAAGQAAABkAAAAAAAAABcAAAAUAAAAAAAAAAAAAAD/fwAA/38AAAAAAAAJAAAABAAAAC0sICAMAAAAEAAAAAAAAAAAAAAAAAAAAAAAAAAeAAAAaAAAAAAAAAAAAAAAAAAAAAAAAAAAAAAAECcAABAnAAAAAAAAAAAAAAAAAAAAAAAAAAAAAAAAAAAAAAAAAAAAABQAAAAAAAAAwMD/AAAAAABkAAAAMgAAAAAAAABkAAAAAAAAAH9/fwAKAAAAHwAAAFQAAAAAAAAFAAAAAQAAAAAAAAAAAAAAAAAAAAAAAAAAAAAAAAAAAAAAAAAAAAAAAn9/fwAAAAADzMzMAMDA/wB/f38AAAAAAAAAAAAAAAAAAAAAAAAAAAAhAAAAGAAAABQAAABQKAAAGycAAHA1AABZKQAAEAAAACYAAAAIAAAAAAAAAAAAAAA="/>
               </a:ext>
             </a:extLst>
           </p:cNvSpPr>
@@ -603,7 +603,7 @@
           <a:lstStyle/>
           <a:p>
             <a:pPr/>
-            <a:fld id="{53727B23-6DBE-278D-F0CA-9BD8358406CE}" type="slidenum">
+            <a:fld id="{78FA4BAE-E095-AFBD-DB42-16E8050C2D43}" type="slidenum">
               <a:t/>
             </a:fld>
           </a:p>
@@ -641,7 +641,7 @@
             <a:spLocks noGrp="1" noChangeArrowheads="1"/>
             <a:extLst>
               <a:ext uri="smNativeData">
-                <pr:smNativeData xmlns:pr="smNativeData" val="SMDATA_13_IrKAXRMAAAAlAAAAZAAAAA8BAAAAkAAAAEgAAACQAAAASAAAAAAAAAACAAAAAQAAAAEAAABQAAAAAAAAAAAA4D8AAAAAAADgPwAAAAAAAOA/AAAAAAAA4D8AAAAAAADgPwAAAAAAAOA/AAAAAAAA4D8AAAAAAADgPwAAAAAAAOA/AAAAAAAA4D8CAAAAjAAAAAAAAAAAAAAAu+DjDP///wgAAAAAAAAAAAAAAAAAAAAAAAAAAAAAAAAAAAAAZAAAAAEAAABAAAAAAAAAAAAAAAAAAAAAAAAAAAAAAAAAAAAAAAAAAAAAAAAAAAAAAAAAAAAAAAAAAAAAAAAAAAAAAAAAAAAAAAAAAAAAAAAAAAAAAAAAAAAAAAAAAAAAFAAAADwAAAAAAAAAAAAAAAAAAAkUAAAAAQAAABQAAAAUAAAAFAAAAAEAAAAAAAAAZAAAAGQAAAAAAAAAZAAAAGQAAAAVAAAAYAAAAAAAAAAAAAAADwAAACADAAAAAAAAAAAAAAEAAACgMgAAVgcAAKr4//8BAAAAf39/AAEAAABkAAAAAAAAABQAAABAHwAAAAAAACYAAAAAAAAAwOD//wAAAAAmAAAAZAAAABYAAABMAAAAAAAAAAAAAAAEAAAAAAAAAAEAAACAgIAKAAAAACgAAAAoAAAAZAAAAGQAAAAAAAAAzMzMAAAAAABQAAAAUAAAAGQAAABkAAAAAAAAABcAAAAUAAAAAAAAAAAAAAD/fwAA/38AAAAAAAAJAAAABAAAAP////8MAAAAEAAAAAAAAAAAAAAAAAAAAAAAAAAeAAAAaAAAAAAAAAAAAAAAAAAAAAAAAAAAAAAAECcAABAnAAAAAAAAAAAAAAAAAAAAAAAAAAAAAAAAAAAAAAAAAAAAABQAAAAAAAAAwMD/AAAAAABkAAAAMgAAAAAAAABkAAAAAAAAAH9/fwAKAAAAHwAAAFQAAAAAAAAFAAAAAQAAAAAAAAAAAAAAAAAAAAAAAAAAAAAAAAAAAAAAAAAAAAAAAn9/fwAAAAADzMzMAMDA/wB/f38AAAAAAAAAAAAAAAAAAAAAAAAAAAAhAAAAGAAAABQAAADIKAAAsAEAAHA1AACwJQAAEAAAACYAAAAIAAAAgwAAAAAAAAA="/>
+                <pr:smNativeData xmlns:pr="smNativeData" val="SMDATA_13_gcGAXRMAAAAlAAAAZAAAAA8BAAAAkAAAAEgAAACQAAAASAAAAAAAAAACAAAAAQAAAAEAAABQAAAAAAAAAAAA4D8AAAAAAADgPwAAAAAAAOA/AAAAAAAA4D8AAAAAAADgPwAAAAAAAOA/AAAAAAAA4D8AAAAAAADgPwAAAAAAAOA/AAAAAAAA4D8CAAAAjAAAAAAAAAAAAAAAu+DjDP///wgAAAAAAAAAAAAAAAAAAAAAAAAAAAAAAAAAAAAAZAAAAAEAAABAAAAAAAAAAAAAAAAAAAAAAAAAAAAAAAAAAAAAAAAAAAAAAAAAAAAAAAAAAAAAAAAAAAAAAAAAAAAAAAAAAAAAAAAAAAAAAAAAAAAAAAAAAAAAAAAAAAAAFAAAADwAAAAAAAAAAAAAAAAAAAkUAAAAAQAAABQAAAAUAAAAFAAAAAEAAAAAAAAAZAAAAGQAAAAAAAAAZAAAAGQAAAAVAAAAYAAAAAAAAAAAAAAADwAAACADAAAAAAAAAAAAAAEAAACgMgAAVgcAAKr4//8BAAAAf39/AAEAAABkAAAAAAAAABQAAABAHwAAAAAAACYAAAAAAAAAwOD//wAAAAAmAAAAZAAAABYAAABMAAAAAAAAAAAAAAAEAAAAAAAAAAEAAACAgIAKAAAAACgAAAAoAAAAZAAAAGQAAAAAAAAAzMzMAAAAAABQAAAAUAAAAGQAAABkAAAAAAAAABcAAAAUAAAAAAAAAAAAAAD/fwAA/38AAAAAAAAJAAAABAAAAP////8MAAAAEAAAAAAAAAAAAAAAAAAAAAAAAAAeAAAAaAAAAAAAAAAAAAAAAAAAAAAAAAAAAAAAECcAABAnAAAAAAAAAAAAAAAAAAAAAAAAAAAAAAAAAAAAAAAAAAAAABQAAAAAAAAAwMD/AAAAAABkAAAAMgAAAAAAAABkAAAAAAAAAH9/fwAKAAAAHwAAAFQAAAAAAAAFAAAAAQAAAAAAAAAAAAAAAAAAAAAAAAAAAAAAAAAAAAAAAAAAAAAAAn9/fwAAAAADzMzMAMDA/wB/f38AAAAAAAAAAAAAAAAAAAAAAAAAAAAhAAAAGAAAABQAAADIKAAAsAEAAHA1AACwJQAAEAAAACYAAAAIAAAAgwAAAAAAAAA="/>
               </a:ext>
             </a:extLst>
           </p:cNvSpPr>
@@ -677,7 +677,7 @@
             <a:spLocks noGrp="1" noChangeArrowheads="1"/>
             <a:extLst>
               <a:ext uri="smNativeData">
-                <pr:smNativeData xmlns:pr="smNativeData" val="SMDATA_13_IrKAXRMAAAAlAAAAZAAAAA8BAAAAkAAAAEgAAACQAAAASAAAAAAAAAAAAAAAAQAAAAEAAABQAAAAAAAAAAAA4D8AAAAAAADgPwAAAAAAAOA/AAAAAAAA4D8AAAAAAADgPwAAAAAAAOA/AAAAAAAA4D8AAAAAAADgPwAAAAAAAOA/AAAAAAAA4D8CAAAAjAAAAAAAAAAAAAAAu+DjDP///wgAAAAAAAAAAAAAAAAAAAAAAAAAAAAAAAAAAAAAZAAAAAEAAABAAAAAAAAAAAAAAAAAAAAAAAAAAAAAAAAAAAAAAAAAAAAAAAAAAAAAAAAAAAAAAAAAAAAAAAAAAAAAAAAAAAAAAAAAAAAAAAAAAAAAAAAAAAAAAAAAAAAAFAAAADwAAAAAAAAAAAAAAAAAAAkUAAAAAQAAABQAAAAUAAAAFAAAAAEAAAAAAAAAZAAAAGQAAAAAAAAAZAAAAGQAAAAVAAAAYAAAAAAAAAAAAAAADwAAACADAAAAAAAAAAAAAAEAAACgMgAAVgcAAKr4//8BAAAAf39/AAEAAABkAAAAAAAAABQAAABAHwAAAAAAACYAAAAAAAAAwOD//wAAAAAmAAAAZAAAABYAAABMAAAAAAAAAAAAAAAEAAAAAAAAAAEAAACAgIAKAAAAACgAAAAoAAAAZAAAAGQAAAAAAAAAzMzMAAAAAABQAAAAUAAAAGQAAABkAAAAAAAAABcAAAAUAAAAAAAAAAAAAAD/fwAA/38AAAAAAAAJAAAABAAAAAAAAAAMAAAAEAAAAAAAAAAAAAAAAAAAAAAAAAAeAAAAaAAAAAAAAAAAAAAAAAAAAAAAAAAAAAAAECcAABAnAAAAAAAAAAAAAAAAAAAAAAAAAAAAAAAAAAAAAAAAAAAAABQAAAAAAAAAwMD/AAAAAABkAAAAMgAAAAAAAABkAAAAAAAAAH9/fwAKAAAAHwAAAFQAAAAAAAAFAAAAAQAAAAAAAAAAAAAAAAAAAAAAAAAAAAAAAAAAAAAAAAAAAAAAAn9/fwAAAAADzMzMAMDA/wB/f38AAAAAAAAAAAAAAAAAAAAAAAAAAAAhAAAAGAAAABQAAADQAgAAsAEAANgnAACwJQAAEAAAACYAAAAIAAAAAwAAAAAAAAA="/>
+                <pr:smNativeData xmlns:pr="smNativeData" val="SMDATA_13_gcGAXRMAAAAlAAAAZAAAAA8BAAAAkAAAAEgAAACQAAAASAAAAAAAAAAAAAAAAQAAAAEAAABQAAAAAAAAAAAA4D8AAAAAAADgPwAAAAAAAOA/AAAAAAAA4D8AAAAAAADgPwAAAAAAAOA/AAAAAAAA4D8AAAAAAADgPwAAAAAAAOA/AAAAAAAA4D8CAAAAjAAAAAAAAAAAAAAAu+DjDP///wgAAAAAAAAAAAAAAAAAAAAAAAAAAAAAAAAAAAAAZAAAAAEAAABAAAAAAAAAAAAAAAAAAAAAAAAAAAAAAAAAAAAAAAAAAAAAAAAAAAAAAAAAAAAAAAAAAAAAAAAAAAAAAAAAAAAAAAAAAAAAAAAAAAAAAAAAAAAAAAAAAAAAFAAAADwAAAAAAAAAAAAAAAAAAAkUAAAAAQAAABQAAAAUAAAAFAAAAAEAAAAAAAAAZAAAAGQAAAAAAAAAZAAAAGQAAAAVAAAAYAAAAAAAAAAAAAAADwAAACADAAAAAAAAAAAAAAEAAACgMgAAVgcAAKr4//8BAAAAf39/AAEAAABkAAAAAAAAABQAAABAHwAAAAAAACYAAAAAAAAAwOD//wAAAAAmAAAAZAAAABYAAABMAAAAAAAAAAAAAAAEAAAAAAAAAAEAAACAgIAKAAAAACgAAAAoAAAAZAAAAGQAAAAAAAAAzMzMAAAAAABQAAAAUAAAAGQAAABkAAAAAAAAABcAAAAUAAAAAAAAAAAAAAD/fwAA/38AAAAAAAAJAAAABAAAAAAAAAAMAAAAEAAAAAAAAAAAAAAAAAAAAAAAAAAeAAAAaAAAAAAAAAAAAAAAAAAAAAAAAAAAAAAAECcAABAnAAAAAAAAAAAAAAAAAAAAAAAAAAAAAAAAAAAAAAAAAAAAABQAAAAAAAAAwMD/AAAAAABkAAAAMgAAAAAAAABkAAAAAAAAAH9/fwAKAAAAHwAAAFQAAAAAAAAFAAAAAQAAAAAAAAAAAAAAAAAAAAAAAAAAAAAAAAAAAAAAAAAAAAAAAn9/fwAAAAADzMzMAMDA/wB/f38AAAAAAAAAAAAAAAAAAAAAAAAAAAAhAAAAGAAAABQAAADQAgAAsAEAANgnAACwJQAAEAAAACYAAAAIAAAAAwAAAAAAAAA="/>
               </a:ext>
             </a:extLst>
           </p:cNvSpPr>
@@ -737,7 +737,7 @@
             <a:spLocks noGrp="1" noChangeArrowheads="1"/>
             <a:extLst>
               <a:ext uri="smNativeData">
-                <pr:smNativeData xmlns:pr="smNativeData" val="SMDATA_13_IrKAXRMAAAAlAAAAZAAAAA8BAAAAkAAAAEgAAACQAAAASAAAAAAAAAABAAAAAAAAAAEAAABQAAAAAAAAAAAA4D8AAAAAAADgPwAAAAAAAOA/AAAAAAAA4D8AAAAAAADgPwAAAAAAAOA/AAAAAAAA4D8AAAAAAADgPwAAAAAAAOA/AAAAAAAA4D8CAAAAjAAAAAAAAAAAAAAAu+DjDP///wgAAAAAAAAAAAAAAAAAAAAAAAAAAAAAAAAAAAAAZAAAAAEAAABAAAAAAAAAAAAAAAAAAAAAAAAAAAAAAAAAAAAAAAAAAAAAAAAAAAAAAAAAAAAAAAAAAAAAAAAAAAAAAAAAAAAAAAAAAAAAAAAAAAAAAAAAAAAAAAAAAAAAFAAAADwAAAAAAAAAAAAAAAAAAAkUAAAAAQAAABQAAAAUAAAAFAAAAAEAAAAAAAAAZAAAAGQAAAAAAAAAZAAAAGQAAAAVAAAAYAAAAAAAAAAAAAAADwAAACADAAAAAAAAAAAAAAEAAACgMgAAVgcAAKr4//8BAAAAf39/AAEAAABkAAAAAAAAABQAAABAHwAAAAAAACYAAAAAAAAAwOD//wAAAAAmAAAAZAAAABYAAABMAAAAAAAAAAAAAAAEAAAAAAAAAAEAAACAgIAKAAAAACgAAAAoAAAAZAAAAGQAAAAAAAAAzMzMAAAAAABQAAAAUAAAAGQAAABkAAAAAAAAABcAAAAUAAAAAAAAAAAAAAD/fwAA/38AAAAAAAAJAAAABAAAAMAaAAAMAAAAEAAAAAAAAAAAAAAAAAAAAAAAAAAeAAAAaAAAAAAAAAAAAAAAAAAAAAAAAAAAAAAAECcAABAnAAAAAAAAAAAAAAAAAAAAAAAAAAAAAAAAAAAAAAAAAAAAABQAAAAAAAAAwMD/AAAAAABkAAAAMgAAAAAAAABkAAAAAAAAAH9/fwAKAAAAHwAAAFQAAAAAAAAFAAAAAQAAAAAAAAAAAAAAAAAAAAAAAAAAAAAAAAAAAAAAAAAAAAAAAn9/fwAAAAADzMzMAMDA/wB/f38AAAAAAAAAAAAAAAAAAAAAAAAAAAAhAAAAGAAAABQAAADQAgAAGycAAPAPAABZKQAAEAAAACYAAAAIAAAAAAAAAAAAAAA="/>
+                <pr:smNativeData xmlns:pr="smNativeData" val="SMDATA_13_gcGAXRMAAAAlAAAAZAAAAA8BAAAAkAAAAEgAAACQAAAASAAAAAAAAAABAAAAAAAAAAEAAABQAAAAAAAAAAAA4D8AAAAAAADgPwAAAAAAAOA/AAAAAAAA4D8AAAAAAADgPwAAAAAAAOA/AAAAAAAA4D8AAAAAAADgPwAAAAAAAOA/AAAAAAAA4D8CAAAAjAAAAAAAAAAAAAAAu+DjDP///wgAAAAAAAAAAAAAAAAAAAAAAAAAAAAAAAAAAAAAZAAAAAEAAABAAAAAAAAAAAAAAAAAAAAAAAAAAAAAAAAAAAAAAAAAAAAAAAAAAAAAAAAAAAAAAAAAAAAAAAAAAAAAAAAAAAAAAAAAAAAAAAAAAAAAAAAAAAAAAAAAAAAAFAAAADwAAAAAAAAAAAAAAAAAAAkUAAAAAQAAABQAAAAUAAAAFAAAAAEAAAAAAAAAZAAAAGQAAAAAAAAAZAAAAGQAAAAVAAAAYAAAAAAAAAAAAAAADwAAACADAAAAAAAAAAAAAAEAAACgMgAAVgcAAKr4//8BAAAAf39/AAEAAABkAAAAAAAAABQAAABAHwAAAAAAACYAAAAAAAAAwOD//wAAAAAmAAAAZAAAABYAAABMAAAAAAAAAAAAAAAEAAAAAAAAAAEAAACAgIAKAAAAACgAAAAoAAAAZAAAAGQAAAAAAAAAzMzMAAAAAABQAAAAUAAAAGQAAABkAAAAAAAAABcAAAAUAAAAAAAAAAAAAAD/fwAA/38AAAAAAAAJAAAABAAAAMAaAAAMAAAAEAAAAAAAAAAAAAAAAAAAAAAAAAAeAAAAaAAAAAAAAAAAAAAAAAAAAAAAAAAAAAAAECcAABAnAAAAAAAAAAAAAAAAAAAAAAAAAAAAAAAAAAAAAAAAAAAAABQAAAAAAAAAwMD/AAAAAABkAAAAMgAAAAAAAABkAAAAAAAAAH9/fwAKAAAAHwAAAFQAAAAAAAAFAAAAAQAAAAAAAAAAAAAAAAAAAAAAAAAAAAAAAAAAAAAAAAAAAAAAAn9/fwAAAAADzMzMAMDA/wB/f38AAAAAAAAAAAAAAAAAAAAAAAAAAAAhAAAAGAAAABQAAADQAgAAGycAAPAPAABZKQAAEAAAACYAAAAIAAAAAAAAAAAAAAA="/>
               </a:ext>
             </a:extLst>
           </p:cNvSpPr>
@@ -751,7 +751,7 @@
           <a:lstStyle/>
           <a:p>
             <a:pPr/>
-            <a:fld id="{5D566FCD-83B0-0399-FEEE-75CC21A00820}" type="datetime1">
+            <a:fld id="{6D574F87-C980-02B9-CEEF-3FEC01A1386A}" type="datetime1">
               <a:t/>
             </a:fld>
           </a:p>
@@ -764,7 +764,7 @@
             <a:spLocks noGrp="1" noChangeArrowheads="1"/>
             <a:extLst>
               <a:ext uri="smNativeData">
-                <pr:smNativeData xmlns:pr="smNativeData" val="SMDATA_13_IrKAXRMAAAAlAAAAZAAAAA8BAAAAkAAAAEgAAACQAAAASAAAAAAAAAABAAAAAAAAAAEAAABQAAAAAAAAAAAA4D8AAAAAAADgPwAAAAAAAOA/AAAAAAAA4D8AAAAAAADgPwAAAAAAAOA/AAAAAAAA4D8AAAAAAADgPwAAAAAAAOA/AAAAAAAA4D8CAAAAjAAAAAAAAAAAAAAAu+DjDP///wgAAAAAAAAAAAAAAAAAAAAAAAAAAAAAAAAAAAAAZAAAAAEAAABAAAAAAAAAAAAAAAAAAAAAAAAAAAAAAAAAAAAAAAAAAAAAAAAAAAAAAAAAAAAAAAAAAAAAAAAAAAAAAAAAAAAAAAAAAAAAAAAAAAAAAAAAAAAAAAAAAAAAFAAAADwAAAAAAAAAAAAAAAAAAAkUAAAAAQAAABQAAAAUAAAAFAAAAAEAAAAAAAAAZAAAAGQAAAAAAAAAZAAAAGQAAAAVAAAAYAAAAAAAAAAAAAAADwAAACADAAAAAAAAAAAAAAEAAACgMgAAVgcAAKr4//8BAAAAf39/AAEAAABkAAAAAAAAABQAAABAHwAAAAAAACYAAAAAAAAAwOD//wAAAAAmAAAAZAAAABYAAABMAAAAAAAAAAAAAAAEAAAAAAAAAAEAAACAgIAKAAAAACgAAAAoAAAAZAAAAGQAAAAAAAAAzMzMAAAAAABQAAAAUAAAAGQAAABkAAAAAAAAABcAAAAUAAAAAAAAAAAAAAD/fwAA/38AAAAAAAAJAAAABAAAAAAAAAAMAAAAEAAAAAAAAAAAAAAAAAAAAAAAAAAeAAAAaAAAAAAAAAAAAAAAAAAAAAAAAAAAAAAAECcAABAnAAAAAAAAAAAAAAAAAAAAAAAAAAAAAAAAAAAAAAAAAAAAABQAAAAAAAAAwMD/AAAAAABkAAAAMgAAAAAAAABkAAAAAAAAAH9/fwAKAAAAHwAAAFQAAAAAAAAFAAAAAQAAAAAAAAAAAAAAAAAAAAAAAAAAAAAAAAAAAAAAAAAAAAAAAn9/fwAAAAADzMzMAMDA/wB/f38AAAAAAAAAAAAAAAAAAAAAAAAAAAAhAAAAGAAAABQAAAA4EwAAGycAAAglAABZKQAAEAAAACYAAAAIAAAAAAAAAAAAAAA="/>
+                <pr:smNativeData xmlns:pr="smNativeData" val="SMDATA_13_gcGAXRMAAAAlAAAAZAAAAA8BAAAAkAAAAEgAAACQAAAASAAAAAAAAAABAAAAAAAAAAEAAABQAAAAAAAAAAAA4D8AAAAAAADgPwAAAAAAAOA/AAAAAAAA4D8AAAAAAADgPwAAAAAAAOA/AAAAAAAA4D8AAAAAAADgPwAAAAAAAOA/AAAAAAAA4D8CAAAAjAAAAAAAAAAAAAAAu+DjDP///wgAAAAAAAAAAAAAAAAAAAAAAAAAAAAAAAAAAAAAZAAAAAEAAABAAAAAAAAAAAAAAAAAAAAAAAAAAAAAAAAAAAAAAAAAAAAAAAAAAAAAAAAAAAAAAAAAAAAAAAAAAAAAAAAAAAAAAAAAAAAAAAAAAAAAAAAAAAAAAAAAAAAAFAAAADwAAAAAAAAAAAAAAAAAAAkUAAAAAQAAABQAAAAUAAAAFAAAAAEAAAAAAAAAZAAAAGQAAAAAAAAAZAAAAGQAAAAVAAAAYAAAAAAAAAAAAAAADwAAACADAAAAAAAAAAAAAAEAAACgMgAAVgcAAKr4//8BAAAAf39/AAEAAABkAAAAAAAAABQAAABAHwAAAAAAACYAAAAAAAAAwOD//wAAAAAmAAAAZAAAABYAAABMAAAAAAAAAAAAAAAEAAAAAAAAAAEAAACAgIAKAAAAACgAAAAoAAAAZAAAAGQAAAAAAAAAzMzMAAAAAABQAAAAUAAAAGQAAABkAAAAAAAAABcAAAAUAAAAAAAAAAAAAAD/fwAA/38AAAAAAAAJAAAABAAAAAAAAAAMAAAAEAAAAAAAAAAAAAAAAAAAAAAAAAAeAAAAaAAAAAAAAAAAAAAAAAAAAAAAAAAAAAAAECcAABAnAAAAAAAAAAAAAAAAAAAAAAAAAAAAAAAAAAAAAAAAAAAAABQAAAAAAAAAwMD/AAAAAABkAAAAMgAAAAAAAABkAAAAAAAAAH9/fwAKAAAAHwAAAFQAAAAAAAAFAAAAAQAAAAAAAAAAAAAAAAAAAAAAAAAAAAAAAAAAAAAAAAAAAAAAAn9/fwAAAAADzMzMAMDA/wB/f38AAAAAAAAAAAAAAAAAAAAAAAAAAAAhAAAAGAAAABQAAAA4EwAAGycAAAglAABZKQAAEAAAACYAAAAIAAAAAAAAAAAAAAA="/>
               </a:ext>
             </a:extLst>
           </p:cNvSpPr>
@@ -788,7 +788,7 @@
             <a:spLocks noGrp="1" noChangeArrowheads="1"/>
             <a:extLst>
               <a:ext uri="smNativeData">
-                <pr:smNativeData xmlns:pr="smNativeData" val="SMDATA_13_IrKAXRMAAAAlAAAAZAAAAA8BAAAAkAAAAEgAAACQAAAASAAAAAAAAAABAAAAAAAAAAEAAABQAAAAAAAAAAAA4D8AAAAAAADgPwAAAAAAAOA/AAAAAAAA4D8AAAAAAADgPwAAAAAAAOA/AAAAAAAA4D8AAAAAAADgPwAAAAAAAOA/AAAAAAAA4D8CAAAAjAAAAAAAAAAAAAAAu+DjDP///wgAAAAAAAAAAAAAAAAAAAAAAAAAAAAAAAAAAAAAZAAAAAEAAABAAAAAAAAAAAAAAAAAAAAAAAAAAAAAAAAAAAAAAAAAAAAAAAAAAAAAAAAAAAAAAAAAAAAAAAAAAAAAAAAAAAAAAAAAAAAAAAAAAAAAAAAAAAAAAAAAAAAAFAAAADwAAAAAAAAAAAAAAAAAAAkUAAAAAQAAABQAAAAUAAAAFAAAAAEAAAAAAAAAZAAAAGQAAAAAAAAAZAAAAGQAAAAVAAAAYAAAAAAAAAAAAAAADwAAACADAAAAAAAAAAAAAAEAAACgMgAAVgcAAKr4//8BAAAAf39/AAEAAABkAAAAAAAAABQAAABAHwAAAAAAACYAAAAAAAAAwOD//wAAAAAmAAAAZAAAABYAAABMAAAAAAAAAAAAAAAEAAAAAAAAAAEAAACAgIAKAAAAACgAAAAoAAAAZAAAAGQAAAAAAAAAzMzMAAAAAABQAAAAUAAAAGQAAABkAAAAAAAAABcAAAAUAAAAAAAAAAAAAAD/fwAA/38AAAAAAAAJAAAABAAAAAwFAAAMAAAAEAAAAAAAAAAAAAAAAAAAAAAAAAAeAAAAaAAAAAAAAAAAAAAAAAAAAAAAAAAAAAAAECcAABAnAAAAAAAAAAAAAAAAAAAAAAAAAAAAAAAAAAAAAAAAAAAAABQAAAAAAAAAwMD/AAAAAABkAAAAMgAAAAAAAABkAAAAAAAAAH9/fwAKAAAAHwAAAFQAAAAAAAAFAAAAAQAAAAAAAAAAAAAAAAAAAAAAAAAAAAAAAAAAAAAAAAAAAAAAAn9/fwAAAAADzMzMAMDA/wB/f38AAAAAAAAAAAAAAAAAAAAAAAAAAAAhAAAAGAAAABQAAABQKAAAGycAAHA1AABZKQAAEAAAACYAAAAIAAAAAAAAAAAAAAA="/>
+                <pr:smNativeData xmlns:pr="smNativeData" val="SMDATA_13_gcGAXRMAAAAlAAAAZAAAAA8BAAAAkAAAAEgAAACQAAAASAAAAAAAAAABAAAAAAAAAAEAAABQAAAAAAAAAAAA4D8AAAAAAADgPwAAAAAAAOA/AAAAAAAA4D8AAAAAAADgPwAAAAAAAOA/AAAAAAAA4D8AAAAAAADgPwAAAAAAAOA/AAAAAAAA4D8CAAAAjAAAAAAAAAAAAAAAu+DjDP///wgAAAAAAAAAAAAAAAAAAAAAAAAAAAAAAAAAAAAAZAAAAAEAAABAAAAAAAAAAAAAAAAAAAAAAAAAAAAAAAAAAAAAAAAAAAAAAAAAAAAAAAAAAAAAAAAAAAAAAAAAAAAAAAAAAAAAAAAAAAAAAAAAAAAAAAAAAAAAAAAAAAAAFAAAADwAAAAAAAAAAAAAAAAAAAkUAAAAAQAAABQAAAAUAAAAFAAAAAEAAAAAAAAAZAAAAGQAAAAAAAAAZAAAAGQAAAAVAAAAYAAAAAAAAAAAAAAADwAAACADAAAAAAAAAAAAAAEAAACgMgAAVgcAAKr4//8BAAAAf39/AAEAAABkAAAAAAAAABQAAABAHwAAAAAAACYAAAAAAAAAwOD//wAAAAAmAAAAZAAAABYAAABMAAAAAAAAAAAAAAAEAAAAAAAAAAEAAACAgIAKAAAAACgAAAAoAAAAZAAAAGQAAAAAAAAAzMzMAAAAAABQAAAAUAAAAGQAAABkAAAAAAAAABcAAAAUAAAAAAAAAAAAAAD/fwAA/38AAAAAAAAJAAAABAAAAAwFAAAMAAAAEAAAAAAAAAAAAAAAAAAAAAAAAAAeAAAAaAAAAAAAAAAAAAAAAAAAAAAAAAAAAAAAECcAABAnAAAAAAAAAAAAAAAAAAAAAAAAAAAAAAAAAAAAAAAAAAAAABQAAAAAAAAAwMD/AAAAAABkAAAAMgAAAAAAAABkAAAAAAAAAH9/fwAKAAAAHwAAAFQAAAAAAAAFAAAAAQAAAAAAAAAAAAAAAAAAAAAAAAAAAAAAAAAAAAAAAAAAAAAAAn9/fwAAAAADzMzMAMDA/wB/f38AAAAAAAAAAAAAAAAAAAAAAAAAAAAhAAAAGAAAABQAAABQKAAAGycAAHA1AABZKQAAEAAAACYAAAAIAAAAAAAAAAAAAAA="/>
               </a:ext>
             </a:extLst>
           </p:cNvSpPr>
@@ -802,7 +802,7 @@
           <a:lstStyle/>
           <a:p>
             <a:pPr/>
-            <a:fld id="{1E41C73D-73F3-1431-BDF9-856489B74BD0}" type="slidenum">
+            <a:fld id="{71F21C0F-419C-A7EA-D24A-B7BF520424E2}" type="slidenum">
               <a:t/>
             </a:fld>
           </a:p>
@@ -840,7 +840,7 @@
             <a:spLocks noGrp="1" noChangeArrowheads="1"/>
             <a:extLst>
               <a:ext uri="smNativeData">
-                <pr:smNativeData xmlns:pr="smNativeData" val="SMDATA_13_IrKAXRMAAAAlAAAAZAAAAA8BAAAAkAAAAEgAAACQAAAASAAAAAAAAAABAAAAAAAAAAEAAABQAAAAAAAAAAAA4D8AAAAAAADgPwAAAAAAAOA/AAAAAAAA4D8AAAAAAADgPwAAAAAAAOA/AAAAAAAA4D8AAAAAAADgPwAAAAAAAOA/AAAAAAAA4D8CAAAAjAAAAAAAAAAAAAAAu+DjDP///wgAAAAAAAAAAAAAAAAAAAAAAAAAAAAAAAAAAAAAZAAAAAEAAABAAAAAAAAAAAAAAAAAAAAAAAAAAAAAAAAAAAAAAAAAAAAAAAAAAAAAAAAAAAAAAAAAAAAAAAAAAAAAAAAAAAAAAAAAAAAAAAAAAAAAAAAAAAAAAAAAAAAAFAAAADwAAAAAAAAAAAAAAAAAAAkUAAAAAQAAABQAAAAUAAAAFAAAAAEAAAAAAAAAZAAAAGQAAAAAAAAAZAAAAGQAAAAVAAAAYAAAAAAAAAAAAAAADwAAACADAAAAAAAAAAAAAAEAAACgMgAAVgcAAKr4//8BAAAAf39/AAEAAABkAAAAAAAAABQAAABAHwAAAAAAACYAAAAAAAAAwOD//wAAAAAmAAAAZAAAABYAAABMAAAAAAAAAAAAAAAEAAAAAAAAAAEAAACAgIAKAAAAACgAAAAoAAAAZAAAAGQAAAAAAAAAzMzMAAAAAABQAAAAUAAAAGQAAABkAAAAAAAAABcAAAAUAAAAAAAAAAAAAAD/fwAA/38AAAAAAAAJAAAABAAAAAAAAAAMAAAAEAAAAAAAAAAAAAAAAAAAAAAAAAAeAAAAaAAAAAAAAAAAAAAAAAAAAAAAAAAAAAAAECcAABAnAAAAAAAAAAAAAAAAAAAAAAAAAAAAAAAAAAAAAAAAAAAAABQAAAAAAAAAwMD/AAAAAABkAAAAMgAAAAAAAABkAAAAAAAAAH9/fwAKAAAAHwAAAFQAAAAAAAAFAAAAAQAAAAAAAAAAAAAAAAAAAAAAAAAAAAAAAAAAAAAAAAAAAAAAAn9/fwAAAAADzMzMAMDA/wB/f38AAAAAAAAAAAAAAAAAAAAAAAAAAAAhAAAAGAAAABQAAADQAgAAsAEAAHA1AAC4CAAAEAAAACYAAAAIAAAAAAAAAAAAAAA="/>
+                <pr:smNativeData xmlns:pr="smNativeData" val="SMDATA_13_gcGAXRMAAAAlAAAAZAAAAA8BAAAAkAAAAEgAAACQAAAASAAAAAAAAAABAAAAAAAAAAEAAABQAAAAAAAAAAAA4D8AAAAAAADgPwAAAAAAAOA/AAAAAAAA4D8AAAAAAADgPwAAAAAAAOA/AAAAAAAA4D8AAAAAAADgPwAAAAAAAOA/AAAAAAAA4D8CAAAAjAAAAAAAAAAAAAAAu+DjDP///wgAAAAAAAAAAAAAAAAAAAAAAAAAAAAAAAAAAAAAZAAAAAEAAABAAAAAAAAAAAAAAAAAAAAAAAAAAAAAAAAAAAAAAAAAAAAAAAAAAAAAAAAAAAAAAAAAAAAAAAAAAAAAAAAAAAAAAAAAAAAAAAAAAAAAAAAAAAAAAAAAAAAAFAAAADwAAAAAAAAAAAAAAAAAAAkUAAAAAQAAABQAAAAUAAAAFAAAAAEAAAAAAAAAZAAAAGQAAAAAAAAAZAAAAGQAAAAVAAAAYAAAAAAAAAAAAAAADwAAACADAAAAAAAAAAAAAAEAAACgMgAAVgcAAKr4//8BAAAAf39/AAEAAABkAAAAAAAAABQAAABAHwAAAAAAACYAAAAAAAAAwOD//wAAAAAmAAAAZAAAABYAAABMAAAAAAAAAAAAAAAEAAAAAAAAAAEAAACAgIAKAAAAACgAAAAoAAAAZAAAAGQAAAAAAAAAzMzMAAAAAABQAAAAUAAAAGQAAABkAAAAAAAAABcAAAAUAAAAAAAAAAAAAAD/fwAA/38AAAAAAAAJAAAABAAAAAAAAAAMAAAAEAAAAAAAAAAAAAAAAAAAAAAAAAAeAAAAaAAAAAAAAAAAAAAAAAAAAAAAAAAAAAAAECcAABAnAAAAAAAAAAAAAAAAAAAAAAAAAAAAAAAAAAAAAAAAAAAAABQAAAAAAAAAwMD/AAAAAABkAAAAMgAAAAAAAABkAAAAAAAAAH9/fwAKAAAAHwAAAFQAAAAAAAAFAAAAAQAAAAAAAAAAAAAAAAAAAAAAAAAAAAAAAAAAAAAAAAAAAAAAAn9/fwAAAAADzMzMAMDA/wB/f38AAAAAAAAAAAAAAAAAAAAAAAAAAAAhAAAAGAAAABQAAADQAgAAsAEAAHA1AAC4CAAAEAAAACYAAAAIAAAAAAAAAAAAAAA="/>
               </a:ext>
             </a:extLst>
           </p:cNvSpPr>
@@ -867,7 +867,7 @@
             <a:spLocks noGrp="1" noChangeArrowheads="1"/>
             <a:extLst>
               <a:ext uri="smNativeData">
-                <pr:smNativeData xmlns:pr="smNativeData" val="SMDATA_13_IrKAXRMAAAAlAAAAZAAAAA8BAAAAkAAAAEgAAACQAAAASAAAAAAAAAAAAAAAAAAAAAEAAABQAAAAAAAAAAAA4D8AAAAAAADgPwAAAAAAAOA/AAAAAAAA4D8AAAAAAADgPwAAAAAAAOA/AAAAAAAA4D8AAAAAAADgPwAAAAAAAOA/AAAAAAAA4D8CAAAAjAAAAAAAAAAAAAAAu+DjDP///wgAAAAAAAAAAAAAAAAAAAAAAAAAAAAAAAAAAAAAZAAAAAEAAABAAAAAAAAAAAAAAAAAAAAAAAAAAAAAAAAAAAAAAAAAAAAAAAAAAAAAAAAAAAAAAAAAAAAAAAAAAAAAAAAAAAAAAAAAAAAAAAAAAAAAAAAAAAAAAAAAAAAAFAAAADwAAAAAAAAAAAAAAAAAAAkUAAAAAQAAABQAAAAUAAAAFAAAAAEAAAAAAAAAZAAAAGQAAAAAAAAAZAAAAGQAAAAVAAAAYAAAAAAAAAAAAAAADwAAACADAAAAAAAAAAAAAAEAAACgMgAAVgcAAKr4//8BAAAAf39/AAEAAABkAAAAAAAAABQAAABAHwAAAAAAACYAAAAAAAAAwOD//wAAAAAmAAAAZAAAABYAAABMAAAAAAAAAAAAAAAEAAAAAAAAAAEAAACAgIAKAAAAACgAAAAoAAAAZAAAAGQAAAAAAAAAzMzMAAAAAABQAAAAUAAAAGQAAABkAAAAAAAAABcAAAAUAAAAAAAAAAAAAAD/fwAA/38AAAAAAAAJAAAABAAAAAAABCAMAAAAEAAAAAAAAAAAAAAAAAAAAAAAAAAeAAAAaAAAAAAAAAAAAAAAAAAAAAAAAAAAAAAAECcAABAnAAAAAAAAAAAAAAAAAAAAAAAAAAAAAAAAAAAAAAAAAAAAABQAAAAAAAAAwMD/AAAAAABkAAAAMgAAAAAAAABkAAAAAAAAAH9/fwAKAAAAHwAAAFQAAAAAAAAFAAAAAQAAAAAAAAAAAAAAAAAAAAAAAAAAAAAAAAAAAAAAAAAAAAAAAn9/fwAAAAADzMzMAMDA/wB/f38AAAAAAAAAAAAAAAAAAAAAAAAAAAAhAAAAGAAAABQAAADQAgAA2AkAAHA1AACwJQAAEAAAACYAAAAIAAAAAAAAAAAAAAA="/>
+                <pr:smNativeData xmlns:pr="smNativeData" val="SMDATA_13_gcGAXRMAAAAlAAAAZAAAAA8BAAAAkAAAAEgAAACQAAAASAAAAAAAAAAAAAAAAAAAAAEAAABQAAAAAAAAAAAA4D8AAAAAAADgPwAAAAAAAOA/AAAAAAAA4D8AAAAAAADgPwAAAAAAAOA/AAAAAAAA4D8AAAAAAADgPwAAAAAAAOA/AAAAAAAA4D8CAAAAjAAAAAAAAAAAAAAAu+DjDP///wgAAAAAAAAAAAAAAAAAAAAAAAAAAAAAAAAAAAAAZAAAAAEAAABAAAAAAAAAAAAAAAAAAAAAAAAAAAAAAAAAAAAAAAAAAAAAAAAAAAAAAAAAAAAAAAAAAAAAAAAAAAAAAAAAAAAAAAAAAAAAAAAAAAAAAAAAAAAAAAAAAAAAFAAAADwAAAAAAAAAAAAAAAAAAAkUAAAAAQAAABQAAAAUAAAAFAAAAAEAAAAAAAAAZAAAAGQAAAAAAAAAZAAAAGQAAAAVAAAAYAAAAAAAAAAAAAAADwAAACADAAAAAAAAAAAAAAEAAACgMgAAVgcAAKr4//8BAAAAf39/AAEAAABkAAAAAAAAABQAAABAHwAAAAAAACYAAAAAAAAAwOD//wAAAAAmAAAAZAAAABYAAABMAAAAAAAAAAAAAAAEAAAAAAAAAAEAAACAgIAKAAAAACgAAAAoAAAAZAAAAGQAAAAAAAAAzMzMAAAAAABQAAAAUAAAAGQAAABkAAAAAAAAABcAAAAUAAAAAAAAAAAAAAD/fwAA/38AAAAAAAAJAAAABAAAAAAABCAMAAAAEAAAAAAAAAAAAAAAAAAAAAAAAAAeAAAAaAAAAAAAAAAAAAAAAAAAAAAAAAAAAAAAECcAABAnAAAAAAAAAAAAAAAAAAAAAAAAAAAAAAAAAAAAAAAAAAAAABQAAAAAAAAAwMD/AAAAAABkAAAAMgAAAAAAAABkAAAAAAAAAH9/fwAKAAAAHwAAAFQAAAAAAAAFAAAAAQAAAAAAAAAAAAAAAAAAAAAAAAAAAAAAAAAAAAAAAAAAAAAAAn9/fwAAAAADzMzMAMDA/wB/f38AAAAAAAAAAAAAAAAAAAAAAAAAAAAhAAAAGAAAABQAAADQAgAA2AkAAHA1AACwJQAAEAAAACYAAAAIAAAAAAAAAAAAAAA="/>
               </a:ext>
             </a:extLst>
           </p:cNvSpPr>
@@ -918,7 +918,7 @@
             <a:spLocks noGrp="1" noChangeArrowheads="1"/>
             <a:extLst>
               <a:ext uri="smNativeData">
-                <pr:smNativeData xmlns:pr="smNativeData" val="SMDATA_13_IrKAXRMAAAAlAAAAZAAAAA8BAAAAkAAAAEgAAACQAAAASAAAAAAAAAABAAAAAAAAAAEAAABQAAAAAAAAAAAA4D8AAAAAAADgPwAAAAAAAOA/AAAAAAAA4D8AAAAAAADgPwAAAAAAAOA/AAAAAAAA4D8AAAAAAADgPwAAAAAAAOA/AAAAAAAA4D8CAAAAjAAAAAAAAAAAAAAAu+DjDP///wgAAAAAAAAAAAAAAAAAAAAAAAAAAAAAAAAAAAAAZAAAAAEAAABAAAAAAAAAAAAAAAAAAAAAAAAAAAAAAAAAAAAAAAAAAAAAAAAAAAAAAAAAAAAAAAAAAAAAAAAAAAAAAAAAAAAAAAAAAAAAAAAAAAAAAAAAAAAAAAAAAAAAFAAAADwAAAAAAAAAAAAAAAAAAAkUAAAAAQAAABQAAAAUAAAAFAAAAAEAAAAAAAAAZAAAAGQAAAAAAAAAZAAAAGQAAAAVAAAAYAAAAAAAAAAAAAAADwAAACADAAAAAAAAAAAAAAEAAACgMgAAVgcAAKr4//8BAAAAf39/AAEAAABkAAAAAAAAABQAAABAHwAAAAAAACYAAAAAAAAAwOD//wAAAAAmAAAAZAAAABYAAABMAAAAAAAAAAAAAAAEAAAAAAAAAAEAAACAgIAKAAAAACgAAAAoAAAAZAAAAGQAAAAAAAAAzMzMAAAAAABQAAAAUAAAAGQAAABkAAAAAAAAABcAAAAUAAAAAAAAAAAAAAD/fwAA/38AAAAAAAAJAAAABAAAAAAAAAAMAAAAEAAAAAAAAAAAAAAAAAAAAAAAAAAeAAAAaAAAAAAAAAAAAAAAAAAAAAAAAAAAAAAAECcAABAnAAAAAAAAAAAAAAAAAAAAAAAAAAAAAAAAAAAAAAAAAAAAABQAAAAAAAAAwMD/AAAAAABkAAAAMgAAAAAAAABkAAAAAAAAAH9/fwAKAAAAHwAAAFQAAAAAAAAFAAAAAQAAAAAAAAAAAAAAAAAAAAAAAAAAAAAAAAAAAAAAAAAAAAAAAn9/fwAAAAADzMzMAMDA/wB/f38AAAAAAAAAAAAAAAAAAAAAAAAAAAAhAAAAGAAAABQAAADQAgAAGycAAPAPAABZKQAAEAAAACYAAAAIAAAAAAAAAAAAAAA="/>
+                <pr:smNativeData xmlns:pr="smNativeData" val="SMDATA_13_gcGAXRMAAAAlAAAAZAAAAA8BAAAAkAAAAEgAAACQAAAASAAAAAAAAAABAAAAAAAAAAEAAABQAAAAAAAAAAAA4D8AAAAAAADgPwAAAAAAAOA/AAAAAAAA4D8AAAAAAADgPwAAAAAAAOA/AAAAAAAA4D8AAAAAAADgPwAAAAAAAOA/AAAAAAAA4D8CAAAAjAAAAAAAAAAAAAAAu+DjDP///wgAAAAAAAAAAAAAAAAAAAAAAAAAAAAAAAAAAAAAZAAAAAEAAABAAAAAAAAAAAAAAAAAAAAAAAAAAAAAAAAAAAAAAAAAAAAAAAAAAAAAAAAAAAAAAAAAAAAAAAAAAAAAAAAAAAAAAAAAAAAAAAAAAAAAAAAAAAAAAAAAAAAAFAAAADwAAAAAAAAAAAAAAAAAAAkUAAAAAQAAABQAAAAUAAAAFAAAAAEAAAAAAAAAZAAAAGQAAAAAAAAAZAAAAGQAAAAVAAAAYAAAAAAAAAAAAAAADwAAACADAAAAAAAAAAAAAAEAAACgMgAAVgcAAKr4//8BAAAAf39/AAEAAABkAAAAAAAAABQAAABAHwAAAAAAACYAAAAAAAAAwOD//wAAAAAmAAAAZAAAABYAAABMAAAAAAAAAAAAAAAEAAAAAAAAAAEAAACAgIAKAAAAACgAAAAoAAAAZAAAAGQAAAAAAAAAzMzMAAAAAABQAAAAUAAAAGQAAABkAAAAAAAAABcAAAAUAAAAAAAAAAAAAAD/fwAA/38AAAAAAAAJAAAABAAAAAAAAAAMAAAAEAAAAAAAAAAAAAAAAAAAAAAAAAAeAAAAaAAAAAAAAAAAAAAAAAAAAAAAAAAAAAAAECcAABAnAAAAAAAAAAAAAAAAAAAAAAAAAAAAAAAAAAAAAAAAAAAAABQAAAAAAAAAwMD/AAAAAABkAAAAMgAAAAAAAABkAAAAAAAAAH9/fwAKAAAAHwAAAFQAAAAAAAAFAAAAAQAAAAAAAAAAAAAAAAAAAAAAAAAAAAAAAAAAAAAAAAAAAAAAAn9/fwAAAAADzMzMAMDA/wB/f38AAAAAAAAAAAAAAAAAAAAAAAAAAAAhAAAAGAAAABQAAADQAgAAGycAAPAPAABZKQAAEAAAACYAAAAIAAAAAAAAAAAAAAA="/>
               </a:ext>
             </a:extLst>
           </p:cNvSpPr>
@@ -932,7 +932,7 @@
           <a:lstStyle/>
           <a:p>
             <a:pPr/>
-            <a:fld id="{517CE1E3-ADBC-2917-F2C4-5B42AF8A040E}" type="datetime1">
+            <a:fld id="{14E4E70B-45F9-B111-B75C-B344A91241E6}" type="datetime1">
               <a:t/>
             </a:fld>
           </a:p>
@@ -945,7 +945,7 @@
             <a:spLocks noGrp="1" noChangeArrowheads="1"/>
             <a:extLst>
               <a:ext uri="smNativeData">
-                <pr:smNativeData xmlns:pr="smNativeData" val="SMDATA_13_IrKAXRMAAAAlAAAAZAAAAA8BAAAAkAAAAEgAAACQAAAASAAAAAAAAAABAAAAAAAAAAEAAABQAAAAAAAAAAAA4D8AAAAAAADgPwAAAAAAAOA/AAAAAAAA4D8AAAAAAADgPwAAAAAAAOA/AAAAAAAA4D8AAAAAAADgPwAAAAAAAOA/AAAAAAAA4D8CAAAAjAAAAAAAAAAAAAAAu+DjDP///wgAAAAAAAAAAAAAAAAAAAAAAAAAAAAAAAAAAAAAZAAAAAEAAABAAAAAAAAAAAAAAAAAAAAAAAAAAAAAAAAAAAAAAAAAAAAAAAAAAAAAAAAAAAAAAAAAAAAAAAAAAAAAAAAAAAAAAAAAAAAAAAAAAAAAAAAAAAAAAAAAAAAAFAAAADwAAAAAAAAAAAAAAAAAAAkUAAAAAQAAABQAAAAUAAAAFAAAAAEAAAAAAAAAZAAAAGQAAAAAAAAAZAAAAGQAAAAVAAAAYAAAAAAAAAAAAAAADwAAACADAAAAAAAAAAAAAAEAAACgMgAAVgcAAKr4//8BAAAAf39/AAEAAABkAAAAAAAAABQAAABAHwAAAAAAACYAAAAAAAAAwOD//wAAAAAmAAAAZAAAABYAAABMAAAAAAAAAAAAAAAEAAAAAAAAAAEAAACAgIAKAAAAACgAAAAoAAAAZAAAAGQAAAAAAAAAzMzMAAAAAABQAAAAUAAAAGQAAABkAAAAAAAAABcAAAAUAAAAAAAAAAAAAAD/fwAA/38AAAAAAAAJAAAABAAAAHvY//8MAAAAEAAAAAAAAAAAAAAAAAAAAAAAAAAeAAAAaAAAAAAAAAAAAAAAAAAAAAAAAAAAAAAAECcAABAnAAAAAAAAAAAAAAAAAAAAAAAAAAAAAAAAAAAAAAAAAAAAABQAAAAAAAAAwMD/AAAAAABkAAAAMgAAAAAAAABkAAAAAAAAAH9/fwAKAAAAHwAAAFQAAAAAAAAFAAAAAQAAAAAAAAAAAAAAAAAAAAAAAAAAAAAAAAAAAAAAAAAAAAAAAn9/fwAAAAADzMzMAMDA/wB/f38AAAAAAAAAAAAAAAAAAAAAAAAAAAAhAAAAGAAAABQAAAA4EwAAGycAAAglAABZKQAAEAAAACYAAAAIAAAAAAAAAAAAAAA="/>
+                <pr:smNativeData xmlns:pr="smNativeData" val="SMDATA_13_gcGAXRMAAAAlAAAAZAAAAA8BAAAAkAAAAEgAAACQAAAASAAAAAAAAAABAAAAAAAAAAEAAABQAAAAAAAAAAAA4D8AAAAAAADgPwAAAAAAAOA/AAAAAAAA4D8AAAAAAADgPwAAAAAAAOA/AAAAAAAA4D8AAAAAAADgPwAAAAAAAOA/AAAAAAAA4D8CAAAAjAAAAAAAAAAAAAAAu+DjDP///wgAAAAAAAAAAAAAAAAAAAAAAAAAAAAAAAAAAAAAZAAAAAEAAABAAAAAAAAAAAAAAAAAAAAAAAAAAAAAAAAAAAAAAAAAAAAAAAAAAAAAAAAAAAAAAAAAAAAAAAAAAAAAAAAAAAAAAAAAAAAAAAAAAAAAAAAAAAAAAAAAAAAAFAAAADwAAAAAAAAAAAAAAAAAAAkUAAAAAQAAABQAAAAUAAAAFAAAAAEAAAAAAAAAZAAAAGQAAAAAAAAAZAAAAGQAAAAVAAAAYAAAAAAAAAAAAAAADwAAACADAAAAAAAAAAAAAAEAAACgMgAAVgcAAKr4//8BAAAAf39/AAEAAABkAAAAAAAAABQAAABAHwAAAAAAACYAAAAAAAAAwOD//wAAAAAmAAAAZAAAABYAAABMAAAAAAAAAAAAAAAEAAAAAAAAAAEAAACAgIAKAAAAACgAAAAoAAAAZAAAAGQAAAAAAAAAzMzMAAAAAABQAAAAUAAAAGQAAABkAAAAAAAAABcAAAAUAAAAAAAAAAAAAAD/fwAA/38AAAAAAAAJAAAABAAAAHvY//8MAAAAEAAAAAAAAAAAAAAAAAAAAAAAAAAeAAAAaAAAAAAAAAAAAAAAAAAAAAAAAAAAAAAAECcAABAnAAAAAAAAAAAAAAAAAAAAAAAAAAAAAAAAAAAAAAAAAAAAABQAAAAAAAAAwMD/AAAAAABkAAAAMgAAAAAAAABkAAAAAAAAAH9/fwAKAAAAHwAAAFQAAAAAAAAFAAAAAQAAAAAAAAAAAAAAAAAAAAAAAAAAAAAAAAAAAAAAAAAAAAAAAn9/fwAAAAADzMzMAMDA/wB/f38AAAAAAAAAAAAAAAAAAAAAAAAAAAAhAAAAGAAAABQAAAA4EwAAGycAAAglAABZKQAAEAAAACYAAAAIAAAAAAAAAAAAAAA="/>
               </a:ext>
             </a:extLst>
           </p:cNvSpPr>
@@ -969,7 +969,7 @@
             <a:spLocks noGrp="1" noChangeArrowheads="1"/>
             <a:extLst>
               <a:ext uri="smNativeData">
-                <pr:smNativeData xmlns:pr="smNativeData" val="SMDATA_13_IrKAXRMAAAAlAAAAZAAAAA8BAAAAkAAAAEgAAACQAAAASAAAAAAAAAABAAAAAAAAAAEAAABQAAAAAAAAAAAA4D8AAAAAAADgPwAAAAAAAOA/AAAAAAAA4D8AAAAAAADgPwAAAAAAAOA/AAAAAAAA4D8AAAAAAADgPwAAAAAAAOA/AAAAAAAA4D8CAAAAjAAAAAAAAAAAAAAAu+DjDP///wgAAAAAAAAAAAAAAAAAAAAAAAAAAAAAAAAAAAAAZAAAAAEAAABAAAAAAAAAAAAAAAAAAAAAAAAAAAAAAAAAAAAAAAAAAAAAAAAAAAAAAAAAAAAAAAAAAAAAAAAAAAAAAAAAAAAAAAAAAAAAAAAAAAAAAAAAAAAAAAAAAAAAFAAAADwAAAAAAAAAAAAAAAAAAAkUAAAAAQAAABQAAAAUAAAAFAAAAAEAAAAAAAAAZAAAAGQAAAAAAAAAZAAAAGQAAAAVAAAAYAAAAAAAAAAAAAAADwAAACADAAAAAAAAAAAAAAEAAACgMgAAVgcAAKr4//8BAAAAf39/AAEAAABkAAAAAAAAABQAAABAHwAAAAAAACYAAAAAAAAAwOD//wAAAAAmAAAAZAAAABYAAABMAAAAAAAAAAAAAAAEAAAAAAAAAAEAAACAgIAKAAAAACgAAAAoAAAAZAAAAGQAAAAAAAAAzMzMAAAAAABQAAAAUAAAAGQAAABkAAAAAAAAABcAAAAUAAAAAAAAAAAAAAD/fwAA/38AAAAAAAAJAAAABAAAAAAAAAAMAAAAEAAAAAAAAAAAAAAAAAAAAAAAAAAeAAAAaAAAAAAAAAAAAAAAAAAAAAAAAAAAAAAAECcAABAnAAAAAAAAAAAAAAAAAAAAAAAAAAAAAAAAAAAAAAAAAAAAABQAAAAAAAAAwMD/AAAAAABkAAAAMgAAAAAAAABkAAAAAAAAAH9/fwAKAAAAHwAAAFQAAAAAAAAFAAAAAQAAAAAAAAAAAAAAAAAAAAAAAAAAAAAAAAAAAAAAAAAAAAAAAn9/fwAAAAADzMzMAMDA/wB/f38AAAAAAAAAAAAAAAAAAAAAAAAAAAAhAAAAGAAAABQAAABQKAAAGycAAHA1AABZKQAAEAAAACYAAAAIAAAAAAAAAAAAAAA="/>
+                <pr:smNativeData xmlns:pr="smNativeData" val="SMDATA_13_gcGAXRMAAAAlAAAAZAAAAA8BAAAAkAAAAEgAAACQAAAASAAAAAAAAAABAAAAAAAAAAEAAABQAAAAAAAAAAAA4D8AAAAAAADgPwAAAAAAAOA/AAAAAAAA4D8AAAAAAADgPwAAAAAAAOA/AAAAAAAA4D8AAAAAAADgPwAAAAAAAOA/AAAAAAAA4D8CAAAAjAAAAAAAAAAAAAAAu+DjDP///wgAAAAAAAAAAAAAAAAAAAAAAAAAAAAAAAAAAAAAZAAAAAEAAABAAAAAAAAAAAAAAAAAAAAAAAAAAAAAAAAAAAAAAAAAAAAAAAAAAAAAAAAAAAAAAAAAAAAAAAAAAAAAAAAAAAAAAAAAAAAAAAAAAAAAAAAAAAAAAAAAAAAAFAAAADwAAAAAAAAAAAAAAAAAAAkUAAAAAQAAABQAAAAUAAAAFAAAAAEAAAAAAAAAZAAAAGQAAAAAAAAAZAAAAGQAAAAVAAAAYAAAAAAAAAAAAAAADwAAACADAAAAAAAAAAAAAAEAAACgMgAAVgcAAKr4//8BAAAAf39/AAEAAABkAAAAAAAAABQAAABAHwAAAAAAACYAAAAAAAAAwOD//wAAAAAmAAAAZAAAABYAAABMAAAAAAAAAAAAAAAEAAAAAAAAAAEAAACAgIAKAAAAACgAAAAoAAAAZAAAAGQAAAAAAAAAzMzMAAAAAABQAAAAUAAAAGQAAABkAAAAAAAAABcAAAAUAAAAAAAAAAAAAAD/fwAA/38AAAAAAAAJAAAABAAAAAAAAAAMAAAAEAAAAAAAAAAAAAAAAAAAAAAAAAAeAAAAaAAAAAAAAAAAAAAAAAAAAAAAAAAAAAAAECcAABAnAAAAAAAAAAAAAAAAAAAAAAAAAAAAAAAAAAAAAAAAAAAAABQAAAAAAAAAwMD/AAAAAABkAAAAMgAAAAAAAABkAAAAAAAAAH9/fwAKAAAAHwAAAFQAAAAAAAAFAAAAAQAAAAAAAAAAAAAAAAAAAAAAAAAAAAAAAAAAAAAAAAAAAAAAAn9/fwAAAAADzMzMAMDA/wB/f38AAAAAAAAAAAAAAAAAAAAAAAAAAAAhAAAAGAAAABQAAABQKAAAGycAAHA1AABZKQAAEAAAACYAAAAIAAAAAAAAAAAAAAA="/>
               </a:ext>
             </a:extLst>
           </p:cNvSpPr>
@@ -983,7 +983,7 @@
           <a:lstStyle/>
           <a:p>
             <a:pPr/>
-            <a:fld id="{759A69C6-8898-CF9F-D622-7ECA276C202B}" type="slidenum">
+            <a:fld id="{7232845D-139F-6772-D18A-E527CAC427B0}" type="slidenum">
               <a:t/>
             </a:fld>
           </a:p>
@@ -1021,7 +1021,7 @@
             <a:spLocks noGrp="1" noChangeArrowheads="1"/>
             <a:extLst>
               <a:ext uri="smNativeData">
-                <pr:smNativeData xmlns:pr="smNativeData" val="SMDATA_13_IrKAXRMAAAAlAAAAZAAAAA8BAAAAkAAAAEgAAACQAAAASAAAAAAAAAAAAAAAAAAAAAEAAABQAAAAAAAAAAAA4D8AAAAAAADgPwAAAAAAAOA/AAAAAAAA4D8AAAAAAADgPwAAAAAAAOA/AAAAAAAA4D8AAAAAAADgPwAAAAAAAOA/AAAAAAAA4D8CAAAAjAAAAAAAAAAAAAAAu+DjDP///wgAAAAAAAAAAAAAAAAAAAAAAAAAAAAAAAAAAAAAZAAAAAEAAABAAAAAAAAAAAAAAAAAAAAAAAAAAAAAAAAAAAAAAAAAAAAAAAAAAAAAAAAAAAAAAAAAAAAAAAAAAAAAAAAAAAAAAAAAAAAAAAAAAAAAAAAAAAAAAAAAAAAAFAAAADwAAAAAAAAAAAAAAAAAAAkUAAAAAQAAABQAAAAUAAAAFAAAAAEAAAAAAAAAZAAAAGQAAAAAAAAAZAAAAGQAAAAVAAAAYAAAAAAAAAAAAAAADwAAACADAAAAAAAAAAAAAAEAAACgMgAAVgcAAKr4//8BAAAAf39/AAEAAABkAAAAAAAAABQAAABAHwAAAAAAACYAAAAAAAAAwOD//wAAAAAmAAAAZAAAABYAAABMAAAAAAAAAAAAAAAEAAAAAAAAAAEAAACAgIAKAAAAACgAAAAoAAAAZAAAAGQAAAAAAAAAzMzMAAAAAABQAAAAUAAAAGQAAABkAAAAAAAAABcAAAAUAAAAAAAAAAAAAAD/fwAA/38AAAAAAAAJAAAABAAAAAAAAAAMAAAAEAAAAAAAAAAAAAAAAAAAAAAAAAAeAAAAaAAAAAAAAAAAAAAAAAAAAAAAAAAAAAAAECcAABAnAAAAAAAAAAAAAAAAAAAAAAAAAAAAAAAAAAAAAAAAAAAAABQAAAAAAAAAwMD/AAAAAABkAAAAMgAAAAAAAABkAAAAAAAAAH9/fwAKAAAAHwAAAFQAAAAAAAAFAAAAAQAAAAAAAAAAAAAAAAAAAAAAAAAAAAAAAAAAAAAAAAAAAAAAAn9/fwAAAAADzMzMAMDA/wB/f38AAAAAAAAAAAAAAAAAAAAAAAAAAAAhAAAAGAAAABQAAAByBAAAHBsAAEI0AAB9IwAAEAAAACYAAAAIAAAAgYAAAAAAAAA="/>
+                <pr:smNativeData xmlns:pr="smNativeData" val="SMDATA_13_gcGAXRMAAAAlAAAAZAAAAA8BAAAAkAAAAEgAAACQAAAASAAAAAAAAAAAAAAAAAAAAAEAAABQAAAAAAAAAAAA4D8AAAAAAADgPwAAAAAAAOA/AAAAAAAA4D8AAAAAAADgPwAAAAAAAOA/AAAAAAAA4D8AAAAAAADgPwAAAAAAAOA/AAAAAAAA4D8CAAAAjAAAAAAAAAAAAAAAu+DjDP///wgAAAAAAAAAAAAAAAAAAAAAAAAAAAAAAAAAAAAAZAAAAAEAAABAAAAAAAAAAAAAAAAAAAAAAAAAAAAAAAAAAAAAAAAAAAAAAAAAAAAAAAAAAAAAAAAAAAAAAAAAAAAAAAAAAAAAAAAAAAAAAAAAAAAAAAAAAAAAAAAAAAAAFAAAADwAAAAAAAAAAAAAAAAAAAkUAAAAAQAAABQAAAAUAAAAFAAAAAEAAAAAAAAAZAAAAGQAAAAAAAAAZAAAAGQAAAAVAAAAYAAAAAAAAAAAAAAADwAAACADAAAAAAAAAAAAAAEAAACgMgAAVgcAAKr4//8BAAAAf39/AAEAAABkAAAAAAAAABQAAABAHwAAAAAAACYAAAAAAAAAwOD//wAAAAAmAAAAZAAAABYAAABMAAAAAAAAAAAAAAAEAAAAAAAAAAEAAACAgIAKAAAAACgAAAAoAAAAZAAAAGQAAAAAAAAAzMzMAAAAAABQAAAAUAAAAGQAAABkAAAAAAAAABcAAAAUAAAAAAAAAAAAAAD/fwAA/38AAAAAAAAJAAAABAAAAAAAAAAMAAAAEAAAAAAAAAAAAAAAAAAAAAAAAAAeAAAAaAAAAAAAAAAAAAAAAAAAAAAAAAAAAAAAECcAABAnAAAAAAAAAAAAAAAAAAAAAAAAAAAAAAAAAAAAAAAAAAAAABQAAAAAAAAAwMD/AAAAAABkAAAAMgAAAAAAAABkAAAAAAAAAH9/fwAKAAAAHwAAAFQAAAAAAAAFAAAAAQAAAAAAAAAAAAAAAAAAAAAAAAAAAAAAAAAAAAAAAAAAAAAAAn9/fwAAAAADzMzMAMDA/wB/f38AAAAAAAAAAAAAAAAAAAAAAAAAAAAhAAAAGAAAABQAAAByBAAAHBsAAEI0AAB9IwAAEAAAACYAAAAIAAAAgYAAAAAAAAA="/>
               </a:ext>
             </a:extLst>
           </p:cNvSpPr>
@@ -1063,7 +1063,7 @@
             <a:spLocks noGrp="1" noChangeArrowheads="1"/>
             <a:extLst>
               <a:ext uri="smNativeData">
-                <pr:smNativeData xmlns:pr="smNativeData" val="SMDATA_13_IrKAXRMAAAAlAAAAZAAAAA8BAAAAkAAAAEgAAACQAAAASAAAAAAAAAACAAAAAAAAAAEAAABQAAAAAAAAAAAA4D8AAAAAAADgPwAAAAAAAOA/AAAAAAAA4D8AAAAAAADgPwAAAAAAAOA/AAAAAAAA4D8AAAAAAADgPwAAAAAAAOA/AAAAAAAA4D8CAAAAjAAAAAAAAAAAAAAAu+DjDP///wgAAAAAAAAAAAAAAAAAAAAAAAAAAAAAAAAAAAAAZAAAAAEAAABAAAAAAAAAAAAAAAAAAAAAAAAAAAAAAAAAAAAAAAAAAAAAAAAAAAAAAAAAAAAAAAAAAAAAAAAAAAAAAAAAAAAAAAAAAAAAAAAAAAAAAAAAAAAAAAAAAAAAFAAAADwAAAAAAAAAAAAAAAAAAAkUAAAAAQAAABQAAAAUAAAAFAAAAAEAAAAAAAAAZAAAAGQAAAAAAAAAZAAAAGQAAAAVAAAAYAAAAAAAAAAAAAAADwAAACADAAAAAAAAAAAAAAEAAACgMgAAVgcAAKr4//8BAAAAf39/AAEAAABkAAAAAAAAABQAAABAHwAAAAAAACYAAAAAAAAAwOD//wAAAAAmAAAAZAAAABYAAABMAAAAAAAAAAAAAAAEAAAAAAAAAAEAAACAgIAKAAAAACgAAAAoAAAAZAAAAGQAAAAAAAAAzMzMAAAAAABQAAAAUAAAAGQAAABkAAAAAAAAABcAAAAUAAAAAAAAAAAAAAD/fwAA/38AAAAAAAAJAAAABAAAAAAAAAAMAAAAEAAAAAAAAAAAAAAAAAAAAAAAAAAeAAAAaAAAAAAAAAAAAAAAAAAAAAAAAAAAAAAAECcAABAnAAAAAAAAAAAAAAAAAAAAAAAAAAAAAAAAAAAAAAAAAAAAABQAAAAAAAAAwMD/AAAAAABkAAAAMgAAAAAAAABkAAAAAAAAAH9/fwAKAAAAHwAAAFQAAAAAAAAFAAAAAQAAAAAAAAAAAAAAAAAAAAAAAAAAAAAAAAAAAAAAAAAAAAAAAn9/fwAAAAADzMzMAMDA/wB/f38AAAAAAAAAAAAAAAAAAAAAAAAAAAAhAAAAGAAAABQAAAByBAAA4REAAEI0AAAcGwAAEAAAACYAAAAIAAAAgYAAAAAAAAA="/>
+                <pr:smNativeData xmlns:pr="smNativeData" val="SMDATA_13_gcGAXRMAAAAlAAAAZAAAAA8BAAAAkAAAAEgAAACQAAAASAAAAAAAAAACAAAAAAAAAAEAAABQAAAAAAAAAAAA4D8AAAAAAADgPwAAAAAAAOA/AAAAAAAA4D8AAAAAAADgPwAAAAAAAOA/AAAAAAAA4D8AAAAAAADgPwAAAAAAAOA/AAAAAAAA4D8CAAAAjAAAAAAAAAAAAAAAu+DjDP///wgAAAAAAAAAAAAAAAAAAAAAAAAAAAAAAAAAAAAAZAAAAAEAAABAAAAAAAAAAAAAAAAAAAAAAAAAAAAAAAAAAAAAAAAAAAAAAAAAAAAAAAAAAAAAAAAAAAAAAAAAAAAAAAAAAAAAAAAAAAAAAAAAAAAAAAAAAAAAAAAAAAAAFAAAADwAAAAAAAAAAAAAAAAAAAkUAAAAAQAAABQAAAAUAAAAFAAAAAEAAAAAAAAAZAAAAGQAAAAAAAAAZAAAAGQAAAAVAAAAYAAAAAAAAAAAAAAADwAAACADAAAAAAAAAAAAAAEAAACgMgAAVgcAAKr4//8BAAAAf39/AAEAAABkAAAAAAAAABQAAABAHwAAAAAAACYAAAAAAAAAwOD//wAAAAAmAAAAZAAAABYAAABMAAAAAAAAAAAAAAAEAAAAAAAAAAEAAACAgIAKAAAAACgAAAAoAAAAZAAAAGQAAAAAAAAAzMzMAAAAAABQAAAAUAAAAGQAAABkAAAAAAAAABcAAAAUAAAAAAAAAAAAAAD/fwAA/38AAAAAAAAJAAAABAAAAAAAAAAMAAAAEAAAAAAAAAAAAAAAAAAAAAAAAAAeAAAAaAAAAAAAAAAAAAAAAAAAAAAAAAAAAAAAECcAABAnAAAAAAAAAAAAAAAAAAAAAAAAAAAAAAAAAAAAAAAAAAAAABQAAAAAAAAAwMD/AAAAAABkAAAAMgAAAAAAAABkAAAAAAAAAH9/fwAKAAAAHwAAAFQAAAAAAAAFAAAAAQAAAAAAAAAAAAAAAAAAAAAAAAAAAAAAAAAAAAAAAAAAAAAAAn9/fwAAAAADzMzMAMDA/wB/f38AAAAAAAAAAAAAAAAAAAAAAAAAAAAhAAAAGAAAABQAAAByBAAA4REAAEI0AAAcGwAAEAAAACYAAAAIAAAAgYAAAAAAAAA="/>
               </a:ext>
             </a:extLst>
           </p:cNvSpPr>
@@ -1160,7 +1160,7 @@
             <a:spLocks noGrp="1" noChangeArrowheads="1"/>
             <a:extLst>
               <a:ext uri="smNativeData">
-                <pr:smNativeData xmlns:pr="smNativeData" val="SMDATA_13_IrKAXRMAAAAlAAAAZAAAAA8BAAAAkAAAAEgAAACQAAAASAAAAAAAAAABAAAAAAAAAAEAAABQAAAAAAAAAAAA4D8AAAAAAADgPwAAAAAAAOA/AAAAAAAA4D8AAAAAAADgPwAAAAAAAOA/AAAAAAAA4D8AAAAAAADgPwAAAAAAAOA/AAAAAAAA4D8CAAAAjAAAAAAAAAAAAAAAu+DjDP///wgAAAAAAAAAAAAAAAAAAAAAAAAAAAAAAAAAAAAAZAAAAAEAAABAAAAAAAAAAAAAAAAAAAAAAAAAAAAAAAAAAAAAAAAAAAAAAAAAAAAAAAAAAAAAAAAAAAAAAAAAAAAAAAAAAAAAAAAAAAAAAAAAAAAAAAAAAAAAAAAAAAAAFAAAADwAAAAAAAAAAAAAAAAAAAkUAAAAAQAAABQAAAAUAAAAFAAAAAEAAAAAAAAAZAAAAGQAAAAAAAAAZAAAAGQAAAAVAAAAYAAAAAAAAAAAAAAADwAAACADAAAAAAAAAAAAAAEAAACgMgAAVgcAAKr4//8BAAAAf39/AAEAAABkAAAAAAAAABQAAABAHwAAAAAAACYAAAAAAAAAwOD//wAAAAAmAAAAZAAAABYAAABMAAAAAAAAAAAAAAAEAAAAAAAAAAEAAACAgIAKAAAAACgAAAAoAAAAZAAAAGQAAAAAAAAAzMzMAAAAAABQAAAAUAAAAGQAAABkAAAAAAAAABcAAAAUAAAAAAAAAAAAAAD/fwAA/38AAAAAAAAJAAAABAAAAAAAAAAMAAAAEAAAAAAAAAAAAAAAAAAAAAAAAAAeAAAAaAAAAAAAAAAAAAAAAAAAAAAAAAAAAAAAECcAABAnAAAAAAAAAAAAAAAAAAAAAAAAAAAAAAAAAAAAAAAAAAAAABQAAAAAAAAAwMD/AAAAAABkAAAAMgAAAAAAAABkAAAAAAAAAH9/fwAKAAAAHwAAAFQAAAAAAAAFAAAAAQAAAAAAAAAAAAAAAAAAAAAAAAAAAAAAAAAAAAAAAAAAAAAAAn9/fwAAAAADzMzMAMDA/wB/f38AAAAAAAAAAAAAAAAAAAAAAAAAAAAhAAAAGAAAABQAAADQAgAAGycAAPAPAABZKQAAEAAAACYAAAAIAAAAAAAAAAAAAAA="/>
+                <pr:smNativeData xmlns:pr="smNativeData" val="SMDATA_13_gcGAXRMAAAAlAAAAZAAAAA8BAAAAkAAAAEgAAACQAAAASAAAAAAAAAABAAAAAAAAAAEAAABQAAAAAAAAAAAA4D8AAAAAAADgPwAAAAAAAOA/AAAAAAAA4D8AAAAAAADgPwAAAAAAAOA/AAAAAAAA4D8AAAAAAADgPwAAAAAAAOA/AAAAAAAA4D8CAAAAjAAAAAAAAAAAAAAAu+DjDP///wgAAAAAAAAAAAAAAAAAAAAAAAAAAAAAAAAAAAAAZAAAAAEAAABAAAAAAAAAAAAAAAAAAAAAAAAAAAAAAAAAAAAAAAAAAAAAAAAAAAAAAAAAAAAAAAAAAAAAAAAAAAAAAAAAAAAAAAAAAAAAAAAAAAAAAAAAAAAAAAAAAAAAFAAAADwAAAAAAAAAAAAAAAAAAAkUAAAAAQAAABQAAAAUAAAAFAAAAAEAAAAAAAAAZAAAAGQAAAAAAAAAZAAAAGQAAAAVAAAAYAAAAAAAAAAAAAAADwAAACADAAAAAAAAAAAAAAEAAACgMgAAVgcAAKr4//8BAAAAf39/AAEAAABkAAAAAAAAABQAAABAHwAAAAAAACYAAAAAAAAAwOD//wAAAAAmAAAAZAAAABYAAABMAAAAAAAAAAAAAAAEAAAAAAAAAAEAAACAgIAKAAAAACgAAAAoAAAAZAAAAGQAAAAAAAAAzMzMAAAAAABQAAAAUAAAAGQAAABkAAAAAAAAABcAAAAUAAAAAAAAAAAAAAD/fwAA/38AAAAAAAAJAAAABAAAAAAAAAAMAAAAEAAAAAAAAAAAAAAAAAAAAAAAAAAeAAAAaAAAAAAAAAAAAAAAAAAAAAAAAAAAAAAAECcAABAnAAAAAAAAAAAAAAAAAAAAAAAAAAAAAAAAAAAAAAAAAAAAABQAAAAAAAAAwMD/AAAAAABkAAAAMgAAAAAAAABkAAAAAAAAAH9/fwAKAAAAHwAAAFQAAAAAAAAFAAAAAQAAAAAAAAAAAAAAAAAAAAAAAAAAAAAAAAAAAAAAAAAAAAAAAn9/fwAAAAADzMzMAMDA/wB/f38AAAAAAAAAAAAAAAAAAAAAAAAAAAAhAAAAGAAAABQAAADQAgAAGycAAPAPAABZKQAAEAAAACYAAAAIAAAAAAAAAAAAAAA="/>
               </a:ext>
             </a:extLst>
           </p:cNvSpPr>
@@ -1174,7 +1174,7 @@
           <a:lstStyle/>
           <a:p>
             <a:pPr/>
-            <a:fld id="{46264170-3EAB-73B7-E59E-C8E20FD0139D}" type="datetime1">
+            <a:fld id="{59BA9AB1-FFB4-EF6C-FA02-0939D44C0C5C}" type="datetime1">
               <a:t/>
             </a:fld>
           </a:p>
@@ -1187,7 +1187,7 @@
             <a:spLocks noGrp="1" noChangeArrowheads="1"/>
             <a:extLst>
               <a:ext uri="smNativeData">
-                <pr:smNativeData xmlns:pr="smNativeData" val="SMDATA_13_IrKAXRMAAAAlAAAAZAAAAA8BAAAAkAAAAEgAAACQAAAASAAAAAAAAAABAAAAAAAAAAEAAABQAAAAAAAAAAAA4D8AAAAAAADgPwAAAAAAAOA/AAAAAAAA4D8AAAAAAADgPwAAAAAAAOA/AAAAAAAA4D8AAAAAAADgPwAAAAAAAOA/AAAAAAAA4D8CAAAAjAAAAAAAAAAAAAAAu+DjDP///wgAAAAAAAAAAAAAAAAAAAAAAAAAAAAAAAAAAAAAZAAAAAEAAABAAAAAAAAAAAAAAAAAAAAAAAAAAAAAAAAAAAAAAAAAAAAAAAAAAAAAAAAAAAAAAAAAAAAAAAAAAAAAAAAAAAAAAAAAAAAAAAAAAAAAAAAAAAAAAAAAAAAAFAAAADwAAAAAAAAAAAAAAAAAAAkUAAAAAQAAABQAAAAUAAAAFAAAAAEAAAAAAAAAZAAAAGQAAAAAAAAAZAAAAGQAAAAVAAAAYAAAAAAAAAAAAAAADwAAACADAAAAAAAAAAAAAAEAAACgMgAAVgcAAKr4//8BAAAAf39/AAEAAABkAAAAAAAAABQAAABAHwAAAAAAACYAAAAAAAAAwOD//wAAAAAmAAAAZAAAABYAAABMAAAAAAAAAAAAAAAEAAAAAAAAAAEAAACAgIAKAAAAACgAAAAoAAAAZAAAAGQAAAAAAAAAzMzMAAAAAABQAAAAUAAAAGQAAABkAAAAAAAAABcAAAAUAAAAAAAAAAAAAAD/fwAA/38AAAAAAAAJAAAABAAAAAAAAAAMAAAAEAAAAAAAAAAAAAAAAAAAAAAAAAAeAAAAaAAAAAAAAAAAAAAAAAAAAAAAAAAAAAAAECcAABAnAAAAAAAAAAAAAAAAAAAAAAAAAAAAAAAAAAAAAAAAAAAAABQAAAAAAAAAwMD/AAAAAABkAAAAMgAAAAAAAABkAAAAAAAAAH9/fwAKAAAAHwAAAFQAAAAAAAAFAAAAAQAAAAAAAAAAAAAAAAAAAAAAAAAAAAAAAAAAAAAAAAAAAAAAAn9/fwAAAAADzMzMAMDA/wB/f38AAAAAAAAAAAAAAAAAAAAAAAAAAAAhAAAAGAAAABQAAAA4EwAAGycAAAglAABZKQAAEAAAACYAAAAIAAAAAAAAAAAAAAA="/>
+                <pr:smNativeData xmlns:pr="smNativeData" val="SMDATA_13_gcGAXRMAAAAlAAAAZAAAAA8BAAAAkAAAAEgAAACQAAAASAAAAAAAAAABAAAAAAAAAAEAAABQAAAAAAAAAAAA4D8AAAAAAADgPwAAAAAAAOA/AAAAAAAA4D8AAAAAAADgPwAAAAAAAOA/AAAAAAAA4D8AAAAAAADgPwAAAAAAAOA/AAAAAAAA4D8CAAAAjAAAAAAAAAAAAAAAu+DjDP///wgAAAAAAAAAAAAAAAAAAAAAAAAAAAAAAAAAAAAAZAAAAAEAAABAAAAAAAAAAAAAAAAAAAAAAAAAAAAAAAAAAAAAAAAAAAAAAAAAAAAAAAAAAAAAAAAAAAAAAAAAAAAAAAAAAAAAAAAAAAAAAAAAAAAAAAAAAAAAAAAAAAAAFAAAADwAAAAAAAAAAAAAAAAAAAkUAAAAAQAAABQAAAAUAAAAFAAAAAEAAAAAAAAAZAAAAGQAAAAAAAAAZAAAAGQAAAAVAAAAYAAAAAAAAAAAAAAADwAAACADAAAAAAAAAAAAAAEAAACgMgAAVgcAAKr4//8BAAAAf39/AAEAAABkAAAAAAAAABQAAABAHwAAAAAAACYAAAAAAAAAwOD//wAAAAAmAAAAZAAAABYAAABMAAAAAAAAAAAAAAAEAAAAAAAAAAEAAACAgIAKAAAAACgAAAAoAAAAZAAAAGQAAAAAAAAAzMzMAAAAAABQAAAAUAAAAGQAAABkAAAAAAAAABcAAAAUAAAAAAAAAAAAAAD/fwAA/38AAAAAAAAJAAAABAAAAAAAAAAMAAAAEAAAAAAAAAAAAAAAAAAAAAAAAAAeAAAAaAAAAAAAAAAAAAAAAAAAAAAAAAAAAAAAECcAABAnAAAAAAAAAAAAAAAAAAAAAAAAAAAAAAAAAAAAAAAAAAAAABQAAAAAAAAAwMD/AAAAAABkAAAAMgAAAAAAAABkAAAAAAAAAH9/fwAKAAAAHwAAAFQAAAAAAAAFAAAAAQAAAAAAAAAAAAAAAAAAAAAAAAAAAAAAAAAAAAAAAAAAAAAAAn9/fwAAAAADzMzMAMDA/wB/f38AAAAAAAAAAAAAAAAAAAAAAAAAAAAhAAAAGAAAABQAAAA4EwAAGycAAAglAABZKQAAEAAAACYAAAAIAAAAAAAAAAAAAAA="/>
               </a:ext>
             </a:extLst>
           </p:cNvSpPr>
@@ -1211,7 +1211,7 @@
             <a:spLocks noGrp="1" noChangeArrowheads="1"/>
             <a:extLst>
               <a:ext uri="smNativeData">
-                <pr:smNativeData xmlns:pr="smNativeData" val="SMDATA_13_IrKAXRMAAAAlAAAAZAAAAA8BAAAAkAAAAEgAAACQAAAASAAAAAAAAAABAAAAAAAAAAEAAABQAAAAAAAAAAAA4D8AAAAAAADgPwAAAAAAAOA/AAAAAAAA4D8AAAAAAADgPwAAAAAAAOA/AAAAAAAA4D8AAAAAAADgPwAAAAAAAOA/AAAAAAAA4D8CAAAAjAAAAAAAAAAAAAAAu+DjDP///wgAAAAAAAAAAAAAAAAAAAAAAAAAAAAAAAAAAAAAZAAAAAEAAABAAAAAAAAAAAAAAAAAAAAAAAAAAAAAAAAAAAAAAAAAAAAAAAAAAAAAAAAAAAAAAAAAAAAAAAAAAAAAAAAAAAAAAAAAAAAAAAAAAAAAAAAAAAAAAAAAAAAAFAAAADwAAAAAAAAAAAAAAAAAAAkUAAAAAQAAABQAAAAUAAAAFAAAAAEAAAAAAAAAZAAAAGQAAAAAAAAAZAAAAGQAAAAVAAAAYAAAAAAAAAAAAAAADwAAACADAAAAAAAAAAAAAAEAAACgMgAAVgcAAKr4//8BAAAAf39/AAEAAABkAAAAAAAAABQAAABAHwAAAAAAACYAAAAAAAAAwOD//wAAAAAmAAAAZAAAABYAAABMAAAAAAAAAAAAAAAEAAAAAAAAAAEAAACAgIAKAAAAACgAAAAoAAAAZAAAAGQAAAAAAAAAzMzMAAAAAABQAAAAUAAAAGQAAABkAAAAAAAAABcAAAAUAAAAAAAAAAAAAAD/fwAA/38AAAAAAAAJAAAABAAAAAAAAAAMAAAAEAAAAAAAAAAAAAAAAAAAAAAAAAAeAAAAaAAAAAAAAAAAAAAAAAAAAAAAAAAAAAAAECcAABAnAAAAAAAAAAAAAAAAAAAAAAAAAAAAAAAAAAAAAAAAAAAAABQAAAAAAAAAwMD/AAAAAABkAAAAMgAAAAAAAABkAAAAAAAAAH9/fwAKAAAAHwAAAFQAAAAAAAAFAAAAAQAAAAAAAAAAAAAAAAAAAAAAAAAAAAAAAAAAAAAAAAAAAAAAAn9/fwAAAAADzMzMAMDA/wB/f38AAAAAAAAAAAAAAAAAAAAAAAAAAAAhAAAAGAAAABQAAABQKAAAGycAAHA1AABZKQAAEAAAACYAAAAIAAAAAAAAAAAAAAA="/>
+                <pr:smNativeData xmlns:pr="smNativeData" val="SMDATA_13_gcGAXRMAAAAlAAAAZAAAAA8BAAAAkAAAAEgAAACQAAAASAAAAAAAAAABAAAAAAAAAAEAAABQAAAAAAAAAAAA4D8AAAAAAADgPwAAAAAAAOA/AAAAAAAA4D8AAAAAAADgPwAAAAAAAOA/AAAAAAAA4D8AAAAAAADgPwAAAAAAAOA/AAAAAAAA4D8CAAAAjAAAAAAAAAAAAAAAu+DjDP///wgAAAAAAAAAAAAAAAAAAAAAAAAAAAAAAAAAAAAAZAAAAAEAAABAAAAAAAAAAAAAAAAAAAAAAAAAAAAAAAAAAAAAAAAAAAAAAAAAAAAAAAAAAAAAAAAAAAAAAAAAAAAAAAAAAAAAAAAAAAAAAAAAAAAAAAAAAAAAAAAAAAAAFAAAADwAAAAAAAAAAAAAAAAAAAkUAAAAAQAAABQAAAAUAAAAFAAAAAEAAAAAAAAAZAAAAGQAAAAAAAAAZAAAAGQAAAAVAAAAYAAAAAAAAAAAAAAADwAAACADAAAAAAAAAAAAAAEAAACgMgAAVgcAAKr4//8BAAAAf39/AAEAAABkAAAAAAAAABQAAABAHwAAAAAAACYAAAAAAAAAwOD//wAAAAAmAAAAZAAAABYAAABMAAAAAAAAAAAAAAAEAAAAAAAAAAEAAACAgIAKAAAAACgAAAAoAAAAZAAAAGQAAAAAAAAAzMzMAAAAAABQAAAAUAAAAGQAAABkAAAAAAAAABcAAAAUAAAAAAAAAAAAAAD/fwAA/38AAAAAAAAJAAAABAAAAAAAAAAMAAAAEAAAAAAAAAAAAAAAAAAAAAAAAAAeAAAAaAAAAAAAAAAAAAAAAAAAAAAAAAAAAAAAECcAABAnAAAAAAAAAAAAAAAAAAAAAAAAAAAAAAAAAAAAAAAAAAAAABQAAAAAAAAAwMD/AAAAAABkAAAAMgAAAAAAAABkAAAAAAAAAH9/fwAKAAAAHwAAAFQAAAAAAAAFAAAAAQAAAAAAAAAAAAAAAAAAAAAAAAAAAAAAAAAAAAAAAAAAAAAAAn9/fwAAAAADzMzMAMDA/wB/f38AAAAAAAAAAAAAAAAAAAAAAAAAAAAhAAAAGAAAABQAAABQKAAAGycAAHA1AABZKQAAEAAAACYAAAAIAAAAAAAAAAAAAAA="/>
               </a:ext>
             </a:extLst>
           </p:cNvSpPr>
@@ -1225,7 +1225,7 @@
           <a:lstStyle/>
           <a:p>
             <a:pPr/>
-            <a:fld id="{576B4DA8-E6BA-3EBB-F4D3-10EE039D0245}" type="slidenum">
+            <a:fld id="{2111B1EE-A0CC-4447-82A9-5612FFE77403}" type="slidenum">
               <a:t/>
             </a:fld>
           </a:p>
@@ -1263,7 +1263,7 @@
             <a:spLocks noGrp="1" noChangeArrowheads="1"/>
             <a:extLst>
               <a:ext uri="smNativeData">
-                <pr:smNativeData xmlns:pr="smNativeData" val="SMDATA_13_IrKAXRMAAAAlAAAAZAAAAA8BAAAAkAAAAEgAAACQAAAASAAAAAAAAAABAAAAAAAAAAEAAABQAAAAAAAAAAAA4D8AAAAAAADgPwAAAAAAAOA/AAAAAAAA4D8AAAAAAADgPwAAAAAAAOA/AAAAAAAA4D8AAAAAAADgPwAAAAAAAOA/AAAAAAAA4D8CAAAAjAAAAAAAAAAAAAAAu+DjDP///wgAAAAAAAAAAAAAAAAAAAAAAAAAAAAAAAAAAAAAZAAAAAEAAABAAAAAAAAAAAAAAAAAAAAAAAAAAAAAAAAAAAAAAAAAAAAAAAAAAAAAAAAAAAAAAAAAAAAAAAAAAAAAAAAAAAAAAAAAAAAAAAAAAAAAAAAAAAAAAAAAAAAAFAAAADwAAAAAAAAAAAAAAAAAAAkUAAAAAQAAABQAAAAUAAAAFAAAAAEAAAAAAAAAZAAAAGQAAAAAAAAAZAAAAGQAAAAVAAAAYAAAAAAAAAAAAAAADwAAACADAAAAAAAAAAAAAAEAAACgMgAAVgcAAKr4//8BAAAAf39/AAEAAABkAAAAAAAAABQAAABAHwAAAAAAACYAAAAAAAAAwOD//wAAAAAmAAAAZAAAABYAAABMAAAAAAAAAAAAAAAEAAAAAAAAAAEAAACAgIAKAAAAACgAAAAoAAAAZAAAAGQAAAAAAAAAzMzMAAAAAABQAAAAUAAAAGQAAABkAAAAAAAAABcAAAAUAAAAAAAAAAAAAAD/fwAA/38AAAAAAAAJAAAABAAAAAAAAAAMAAAAEAAAAAAAAAAAAAAAAAAAAAAAAAAeAAAAaAAAAAAAAAAAAAAAAAAAAAAAAAAAAAAAECcAABAnAAAAAAAAAAAAAAAAAAAAAAAAAAAAAAAAAAAAAAAAAAAAABQAAAAAAAAAwMD/AAAAAABkAAAAMgAAAAAAAABkAAAAAAAAAH9/fwAKAAAAHwAAAFQAAAAAAAAFAAAAAQAAAAAAAAAAAAAAAAAAAAAAAAAAAAAAAAAAAAAAAAAAAAAAAn9/fwAAAAADzMzMAMDA/wB/f38AAAAAAAAAAAAAAAAAAAAAAAAAAAAhAAAAGAAAABQAAADQAgAAsAEAAHA1AAC4CAAAEAAAACYAAAAIAAAAAAAAAAAAAAA="/>
+                <pr:smNativeData xmlns:pr="smNativeData" val="SMDATA_13_gcGAXRMAAAAlAAAAZAAAAA8BAAAAkAAAAEgAAACQAAAASAAAAAAAAAABAAAAAAAAAAEAAABQAAAAAAAAAAAA4D8AAAAAAADgPwAAAAAAAOA/AAAAAAAA4D8AAAAAAADgPwAAAAAAAOA/AAAAAAAA4D8AAAAAAADgPwAAAAAAAOA/AAAAAAAA4D8CAAAAjAAAAAAAAAAAAAAAu+DjDP///wgAAAAAAAAAAAAAAAAAAAAAAAAAAAAAAAAAAAAAZAAAAAEAAABAAAAAAAAAAAAAAAAAAAAAAAAAAAAAAAAAAAAAAAAAAAAAAAAAAAAAAAAAAAAAAAAAAAAAAAAAAAAAAAAAAAAAAAAAAAAAAAAAAAAAAAAAAAAAAAAAAAAAFAAAADwAAAAAAAAAAAAAAAAAAAkUAAAAAQAAABQAAAAUAAAAFAAAAAEAAAAAAAAAZAAAAGQAAAAAAAAAZAAAAGQAAAAVAAAAYAAAAAAAAAAAAAAADwAAACADAAAAAAAAAAAAAAEAAACgMgAAVgcAAKr4//8BAAAAf39/AAEAAABkAAAAAAAAABQAAABAHwAAAAAAACYAAAAAAAAAwOD//wAAAAAmAAAAZAAAABYAAABMAAAAAAAAAAAAAAAEAAAAAAAAAAEAAACAgIAKAAAAACgAAAAoAAAAZAAAAGQAAAAAAAAAzMzMAAAAAABQAAAAUAAAAGQAAABkAAAAAAAAABcAAAAUAAAAAAAAAAAAAAD/fwAA/38AAAAAAAAJAAAABAAAAAAAAAAMAAAAEAAAAAAAAAAAAAAAAAAAAAAAAAAeAAAAaAAAAAAAAAAAAAAAAAAAAAAAAAAAAAAAECcAABAnAAAAAAAAAAAAAAAAAAAAAAAAAAAAAAAAAAAAAAAAAAAAABQAAAAAAAAAwMD/AAAAAABkAAAAMgAAAAAAAABkAAAAAAAAAH9/fwAKAAAAHwAAAFQAAAAAAAAFAAAAAQAAAAAAAAAAAAAAAAAAAAAAAAAAAAAAAAAAAAAAAAAAAAAAAn9/fwAAAAADzMzMAMDA/wB/f38AAAAAAAAAAAAAAAAAAAAAAAAAAAAhAAAAGAAAABQAAADQAgAAsAEAAHA1AAC4CAAAEAAAACYAAAAIAAAAAAAAAAAAAAA="/>
               </a:ext>
             </a:extLst>
           </p:cNvSpPr>
@@ -1290,7 +1290,7 @@
             <a:spLocks noGrp="1" noChangeArrowheads="1"/>
             <a:extLst>
               <a:ext uri="smNativeData">
-                <pr:smNativeData xmlns:pr="smNativeData" val="SMDATA_13_IrKAXRMAAAAlAAAAZAAAAA8BAAAAkAAAAEgAAACQAAAASAAAAAAAAAAAAAAAAAAAAAEAAABQAAAAAAAAAAAA4D8AAAAAAADgPwAAAAAAAOA/AAAAAAAA4D8AAAAAAADgPwAAAAAAAOA/AAAAAAAA4D8AAAAAAADgPwAAAAAAAOA/AAAAAAAA4D8CAAAAjAAAAAAAAAAAAAAAu+DjDP///wgAAAAAAAAAAAAAAAAAAAAAAAAAAAAAAAAAAAAAZAAAAAEAAABAAAAAAAAAAAAAAAAAAAAAAAAAAAAAAAAAAAAAAAAAAAAAAAAAAAAAAAAAAAAAAAAAAAAAAAAAAAAAAAAAAAAAAAAAAAAAAAAAAAAAAAAAAAAAAAAAAAAAFAAAADwAAAAAAAAAAAAAAAAAAAkUAAAAAQAAABQAAAAUAAAAFAAAAAEAAAAAAAAAZAAAAGQAAAAAAAAAZAAAAGQAAAAVAAAAYAAAAAAAAAAAAAAADwAAACADAAAAAAAAAAAAAAEAAACgMgAAVgcAAKr4//8BAAAAf39/AAEAAABkAAAAAAAAABQAAABAHwAAAAAAACYAAAAAAAAAwOD//wAAAAAmAAAAZAAAABYAAABMAAAAAAAAAAAAAAAEAAAAAAAAAAEAAACAgIAKAAAAACgAAAAoAAAAZAAAAGQAAAAAAAAAzMzMAAAAAABQAAAAUAAAAGQAAABkAAAAAAAAABcAAAAUAAAAAAAAAAAAAAD/fwAA/38AAAAAAAAJAAAABAAAAAAAAAAMAAAAEAAAAAAAAAAAAAAAAAAAAAAAAAAeAAAAaAAAAAAAAAAAAAAAAAAAAAAAAAAAAAAAECcAABAnAAAAAAAAAAAAAAAAAAAAAAAAAAAAAAAAAAAAAAAAAAAAABQAAAAAAAAAwMD/AAAAAABkAAAAMgAAAAAAAABkAAAAAAAAAH9/fwAKAAAAHwAAAFQAAAAAAAAFAAAAAQAAAAAAAAAAAAAAAAAAAAAAAAAAAAAAAAAAAAAAAAAAAAAAAn9/fwAAAAADzMzMAMDA/wB/f38AAAAAAAAAAAAAAAAAAAAAAAAAAAAhAAAAGAAAABQAAADQAgAA2AkAAKgbAACwJQAAEAAAACYAAAAIAAAAAYAAAAAAAAA="/>
+                <pr:smNativeData xmlns:pr="smNativeData" val="SMDATA_13_gcGAXRMAAAAlAAAAZAAAAA8BAAAAkAAAAEgAAACQAAAASAAAAAAAAAAAAAAAAAAAAAEAAABQAAAAAAAAAAAA4D8AAAAAAADgPwAAAAAAAOA/AAAAAAAA4D8AAAAAAADgPwAAAAAAAOA/AAAAAAAA4D8AAAAAAADgPwAAAAAAAOA/AAAAAAAA4D8CAAAAjAAAAAAAAAAAAAAAu+DjDP///wgAAAAAAAAAAAAAAAAAAAAAAAAAAAAAAAAAAAAAZAAAAAEAAABAAAAAAAAAAAAAAAAAAAAAAAAAAAAAAAAAAAAAAAAAAAAAAAAAAAAAAAAAAAAAAAAAAAAAAAAAAAAAAAAAAAAAAAAAAAAAAAAAAAAAAAAAAAAAAAAAAAAAFAAAADwAAAAAAAAAAAAAAAAAAAkUAAAAAQAAABQAAAAUAAAAFAAAAAEAAAAAAAAAZAAAAGQAAAAAAAAAZAAAAGQAAAAVAAAAYAAAAAAAAAAAAAAADwAAACADAAAAAAAAAAAAAAEAAACgMgAAVgcAAKr4//8BAAAAf39/AAEAAABkAAAAAAAAABQAAABAHwAAAAAAACYAAAAAAAAAwOD//wAAAAAmAAAAZAAAABYAAABMAAAAAAAAAAAAAAAEAAAAAAAAAAEAAACAgIAKAAAAACgAAAAoAAAAZAAAAGQAAAAAAAAAzMzMAAAAAABQAAAAUAAAAGQAAABkAAAAAAAAABcAAAAUAAAAAAAAAAAAAAD/fwAA/38AAAAAAAAJAAAABAAAAAAAAAAMAAAAEAAAAAAAAAAAAAAAAAAAAAAAAAAeAAAAaAAAAAAAAAAAAAAAAAAAAAAAAAAAAAAAECcAABAnAAAAAAAAAAAAAAAAAAAAAAAAAAAAAAAAAAAAAAAAAAAAABQAAAAAAAAAwMD/AAAAAABkAAAAMgAAAAAAAABkAAAAAAAAAH9/fwAKAAAAHwAAAFQAAAAAAAAFAAAAAQAAAAAAAAAAAAAAAAAAAAAAAAAAAAAAAAAAAAAAAAAAAAAAAn9/fwAAAAADzMzMAMDA/wB/f38AAAAAAAAAAAAAAAAAAAAAAAAAAAAhAAAAGAAAABQAAADQAgAA2AkAAKgbAACwJQAAEAAAACYAAAAIAAAAAYAAAAAAAAA="/>
               </a:ext>
             </a:extLst>
           </p:cNvSpPr>
@@ -1374,7 +1374,7 @@
             <a:spLocks noGrp="1" noChangeArrowheads="1"/>
             <a:extLst>
               <a:ext uri="smNativeData">
-                <pr:smNativeData xmlns:pr="smNativeData" val="SMDATA_13_IrKAXRMAAAAlAAAAZAAAAA8BAAAAkAAAAEgAAACQAAAASAAAAAAAAAAAAAAAAAAAAAEAAABQAAAAAAAAAAAA4D8AAAAAAADgPwAAAAAAAOA/AAAAAAAA4D8AAAAAAADgPwAAAAAAAOA/AAAAAAAA4D8AAAAAAADgPwAAAAAAAOA/AAAAAAAA4D8CAAAAjAAAAAAAAAAAAAAAu+DjDP///wgAAAAAAAAAAAAAAAAAAAAAAAAAAAAAAAAAAAAAZAAAAAEAAABAAAAAAAAAAAAAAAAAAAAAAAAAAAAAAAAAAAAAAAAAAAAAAAAAAAAAAAAAAAAAAAAAAAAAAAAAAAAAAAAAAAAAAAAAAAAAAAAAAAAAAAAAAAAAAAAAAAAAFAAAADwAAAAAAAAAAAAAAAAAAAkUAAAAAQAAABQAAAAUAAAAFAAAAAEAAAAAAAAAZAAAAGQAAAAAAAAAZAAAAGQAAAAVAAAAYAAAAAAAAAAAAAAADwAAACADAAAAAAAAAAAAAAEAAACgMgAAVgcAAKr4//8BAAAAf39/AAEAAABkAAAAAAAAABQAAABAHwAAAAAAACYAAAAAAAAAwOD//wAAAAAmAAAAZAAAABYAAABMAAAAAAAAAAAAAAAEAAAAAAAAAAEAAACAgIAKAAAAACgAAAAoAAAAZAAAAGQAAAAAAAAAzMzMAAAAAABQAAAAUAAAAGQAAABkAAAAAAAAABcAAAAUAAAAAAAAAAAAAAD/fwAA/38AAAAAAAAJAAAABAAAAAAAAAAMAAAAEAAAAAAAAAAAAAAAAAAAAAAAAAAeAAAAaAAAAAAAAAAAAAAAAAAAAAAAAAAAAAAAECcAABAnAAAAAAAAAAAAAAAAAAAAAAAAAAAAAAAAAAAAAAAAAAAAABQAAAAAAAAAwMD/AAAAAABkAAAAMgAAAAAAAABkAAAAAAAAAH9/fwAKAAAAHwAAAFQAAAAAAAAFAAAAAQAAAAAAAAAAAAAAAAAAAAAAAAAAAAAAAAAAAAAAAAAAAAAAAn9/fwAAAAADzMzMAMDA/wB/f38AAAAAAAAAAAAAAAAAAAAAAAAAAAAhAAAAGAAAABQAAACYHAAA2AkAAHA1AACwJQAAEAAAACYAAAAIAAAAAYAAAAAAAAA="/>
+                <pr:smNativeData xmlns:pr="smNativeData" val="SMDATA_13_gcGAXRMAAAAlAAAAZAAAAA8BAAAAkAAAAEgAAACQAAAASAAAAAAAAAAAAAAAAAAAAAEAAABQAAAAAAAAAAAA4D8AAAAAAADgPwAAAAAAAOA/AAAAAAAA4D8AAAAAAADgPwAAAAAAAOA/AAAAAAAA4D8AAAAAAADgPwAAAAAAAOA/AAAAAAAA4D8CAAAAjAAAAAAAAAAAAAAAu+DjDP///wgAAAAAAAAAAAAAAAAAAAAAAAAAAAAAAAAAAAAAZAAAAAEAAABAAAAAAAAAAAAAAAAAAAAAAAAAAAAAAAAAAAAAAAAAAAAAAAAAAAAAAAAAAAAAAAAAAAAAAAAAAAAAAAAAAAAAAAAAAAAAAAAAAAAAAAAAAAAAAAAAAAAAFAAAADwAAAAAAAAAAAAAAAAAAAkUAAAAAQAAABQAAAAUAAAAFAAAAAEAAAAAAAAAZAAAAGQAAAAAAAAAZAAAAGQAAAAVAAAAYAAAAAAAAAAAAAAADwAAACADAAAAAAAAAAAAAAEAAACgMgAAVgcAAKr4//8BAAAAf39/AAEAAABkAAAAAAAAABQAAABAHwAAAAAAACYAAAAAAAAAwOD//wAAAAAmAAAAZAAAABYAAABMAAAAAAAAAAAAAAAEAAAAAAAAAAEAAACAgIAKAAAAACgAAAAoAAAAZAAAAGQAAAAAAAAAzMzMAAAAAABQAAAAUAAAAGQAAABkAAAAAAAAABcAAAAUAAAAAAAAAAAAAAD/fwAA/38AAAAAAAAJAAAABAAAAAAAAAAMAAAAEAAAAAAAAAAAAAAAAAAAAAAAAAAeAAAAaAAAAAAAAAAAAAAAAAAAAAAAAAAAAAAAECcAABAnAAAAAAAAAAAAAAAAAAAAAAAAAAAAAAAAAAAAAAAAAAAAABQAAAAAAAAAwMD/AAAAAABkAAAAMgAAAAAAAABkAAAAAAAAAH9/fwAKAAAAHwAAAFQAAAAAAAAFAAAAAQAAAAAAAAAAAAAAAAAAAAAAAAAAAAAAAAAAAAAAAAAAAAAAAn9/fwAAAAADzMzMAMDA/wB/f38AAAAAAAAAAAAAAAAAAAAAAAAAAAAhAAAAGAAAABQAAACYHAAA2AkAAHA1AACwJQAAEAAAACYAAAAIAAAAAYAAAAAAAAA="/>
               </a:ext>
             </a:extLst>
           </p:cNvSpPr>
@@ -1458,7 +1458,7 @@
             <a:spLocks noGrp="1" noChangeArrowheads="1"/>
             <a:extLst>
               <a:ext uri="smNativeData">
-                <pr:smNativeData xmlns:pr="smNativeData" val="SMDATA_13_IrKAXRMAAAAlAAAAZAAAAA8BAAAAkAAAAEgAAACQAAAASAAAAAAAAAABAAAAAAAAAAEAAABQAAAAAAAAAAAA4D8AAAAAAADgPwAAAAAAAOA/AAAAAAAA4D8AAAAAAADgPwAAAAAAAOA/AAAAAAAA4D8AAAAAAADgPwAAAAAAAOA/AAAAAAAA4D8CAAAAjAAAAAAAAAAAAAAAu+DjDP///wgAAAAAAAAAAAAAAAAAAAAAAAAAAAAAAAAAAAAAZAAAAAEAAABAAAAAAAAAAAAAAAAAAAAAAAAAAAAAAAAAAAAAAAAAAAAAAAAAAAAAAAAAAAAAAAAAAAAAAAAAAAAAAAAAAAAAAAAAAAAAAAAAAAAAAAAAAAAAAAAAAAAAFAAAADwAAAAAAAAAAAAAAAAAAAkUAAAAAQAAABQAAAAUAAAAFAAAAAEAAAAAAAAAZAAAAGQAAAAAAAAAZAAAAGQAAAAVAAAAYAAAAAAAAAAAAAAADwAAACADAAAAAAAAAAAAAAEAAACgMgAAVgcAAKr4//8BAAAAf39/AAEAAABkAAAAAAAAABQAAABAHwAAAAAAACYAAAAAAAAAwOD//wAAAAAmAAAAZAAAABYAAABMAAAAAAAAAAAAAAAEAAAAAAAAAAEAAACAgIAKAAAAACgAAAAoAAAAZAAAAGQAAAAAAAAAzMzMAAAAAABQAAAAUAAAAGQAAABkAAAAAAAAABcAAAAUAAAAAAAAAAAAAAD/fwAA/38AAAAAAAAJAAAABAAAAAAAAAAMAAAAEAAAAAAAAAAAAAAAAAAAAAAAAAAeAAAAaAAAAAAAAAAAAAAAAAAAAAAAAAAAAAAAECcAABAnAAAAAAAAAAAAAAAAAAAAAAAAAAAAAAAAAAAAAAAAAAAAABQAAAAAAAAAwMD/AAAAAABkAAAAMgAAAAAAAABkAAAAAAAAAH9/fwAKAAAAHwAAAFQAAAAAAAAFAAAAAQAAAAAAAAAAAAAAAAAAAAAAAAAAAAAAAAAAAAAAAAAAAAAAAn9/fwAAAAADzMzMAMDA/wB/f38AAAAAAAAAAAAAAAAAAAAAAAAAAAAhAAAAGAAAABQAAADQAgAAGycAAPAPAABZKQAAEAAAACYAAAAIAAAAAAAAAAAAAAA="/>
+                <pr:smNativeData xmlns:pr="smNativeData" val="SMDATA_13_gcGAXRMAAAAlAAAAZAAAAA8BAAAAkAAAAEgAAACQAAAASAAAAAAAAAABAAAAAAAAAAEAAABQAAAAAAAAAAAA4D8AAAAAAADgPwAAAAAAAOA/AAAAAAAA4D8AAAAAAADgPwAAAAAAAOA/AAAAAAAA4D8AAAAAAADgPwAAAAAAAOA/AAAAAAAA4D8CAAAAjAAAAAAAAAAAAAAAu+DjDP///wgAAAAAAAAAAAAAAAAAAAAAAAAAAAAAAAAAAAAAZAAAAAEAAABAAAAAAAAAAAAAAAAAAAAAAAAAAAAAAAAAAAAAAAAAAAAAAAAAAAAAAAAAAAAAAAAAAAAAAAAAAAAAAAAAAAAAAAAAAAAAAAAAAAAAAAAAAAAAAAAAAAAAFAAAADwAAAAAAAAAAAAAAAAAAAkUAAAAAQAAABQAAAAUAAAAFAAAAAEAAAAAAAAAZAAAAGQAAAAAAAAAZAAAAGQAAAAVAAAAYAAAAAAAAAAAAAAADwAAACADAAAAAAAAAAAAAAEAAACgMgAAVgcAAKr4//8BAAAAf39/AAEAAABkAAAAAAAAABQAAABAHwAAAAAAACYAAAAAAAAAwOD//wAAAAAmAAAAZAAAABYAAABMAAAAAAAAAAAAAAAEAAAAAAAAAAEAAACAgIAKAAAAACgAAAAoAAAAZAAAAGQAAAAAAAAAzMzMAAAAAABQAAAAUAAAAGQAAABkAAAAAAAAABcAAAAUAAAAAAAAAAAAAAD/fwAA/38AAAAAAAAJAAAABAAAAAAAAAAMAAAAEAAAAAAAAAAAAAAAAAAAAAAAAAAeAAAAaAAAAAAAAAAAAAAAAAAAAAAAAAAAAAAAECcAABAnAAAAAAAAAAAAAAAAAAAAAAAAAAAAAAAAAAAAAAAAAAAAABQAAAAAAAAAwMD/AAAAAABkAAAAMgAAAAAAAABkAAAAAAAAAH9/fwAKAAAAHwAAAFQAAAAAAAAFAAAAAQAAAAAAAAAAAAAAAAAAAAAAAAAAAAAAAAAAAAAAAAAAAAAAAn9/fwAAAAADzMzMAMDA/wB/f38AAAAAAAAAAAAAAAAAAAAAAAAAAAAhAAAAGAAAABQAAADQAgAAGycAAPAPAABZKQAAEAAAACYAAAAIAAAAAAAAAAAAAAA="/>
               </a:ext>
             </a:extLst>
           </p:cNvSpPr>
@@ -1472,7 +1472,7 @@
           <a:lstStyle/>
           <a:p>
             <a:pPr/>
-            <a:fld id="{1F04E4FF-B1F2-5112-BCBC-4747AAF24A12}" type="datetime1">
+            <a:fld id="{650E893B-7588-5B7F-C6B6-832AC7F830D6}" type="datetime1">
               <a:t/>
             </a:fld>
           </a:p>
@@ -1485,7 +1485,7 @@
             <a:spLocks noGrp="1" noChangeArrowheads="1"/>
             <a:extLst>
               <a:ext uri="smNativeData">
-                <pr:smNativeData xmlns:pr="smNativeData" val="SMDATA_13_IrKAXRMAAAAlAAAAZAAAAA8BAAAAkAAAAEgAAACQAAAASAAAAAAAAAABAAAAAAAAAAEAAABQAAAAAAAAAAAA4D8AAAAAAADgPwAAAAAAAOA/AAAAAAAA4D8AAAAAAADgPwAAAAAAAOA/AAAAAAAA4D8AAAAAAADgPwAAAAAAAOA/AAAAAAAA4D8CAAAAjAAAAAAAAAAAAAAAu+DjDP///wgAAAAAAAAAAAAAAAAAAAAAAAAAAAAAAAAAAAAAZAAAAAEAAABAAAAAAAAAAAAAAAAAAAAAAAAAAAAAAAAAAAAAAAAAAAAAAAAAAAAAAAAAAAAAAAAAAAAAAAAAAAAAAAAAAAAAAAAAAAAAAAAAAAAAAAAAAAAAAAAAAAAAFAAAADwAAAAAAAAAAAAAAAAAAAkUAAAAAQAAABQAAAAUAAAAFAAAAAEAAAAAAAAAZAAAAGQAAAAAAAAAZAAAAGQAAAAVAAAAYAAAAAAAAAAAAAAADwAAACADAAAAAAAAAAAAAAEAAACgMgAAVgcAAKr4//8BAAAAf39/AAEAAABkAAAAAAAAABQAAABAHwAAAAAAACYAAAAAAAAAwOD//wAAAAAmAAAAZAAAABYAAABMAAAAAAAAAAAAAAAEAAAAAAAAAAEAAACAgIAKAAAAACgAAAAoAAAAZAAAAGQAAAAAAAAAzMzMAAAAAABQAAAAUAAAAGQAAABkAAAAAAAAABcAAAAUAAAAAAAAAAAAAAD/fwAA/38AAAAAAAAJAAAABAAAAAAAAAAMAAAAEAAAAAAAAAAAAAAAAAAAAAAAAAAeAAAAaAAAAAAAAAAAAAAAAAAAAAAAAAAAAAAAECcAABAnAAAAAAAAAAAAAAAAAAAAAAAAAAAAAAAAAAAAAAAAAAAAABQAAAAAAAAAwMD/AAAAAABkAAAAMgAAAAAAAABkAAAAAAAAAH9/fwAKAAAAHwAAAFQAAAAAAAAFAAAAAQAAAAAAAAAAAAAAAAAAAAAAAAAAAAAAAAAAAAAAAAAAAAAAAn9/fwAAAAADzMzMAMDA/wB/f38AAAAAAAAAAAAAAAAAAAAAAAAAAAAhAAAAGAAAABQAAAA4EwAAGycAAAglAABZKQAAEAAAACYAAAAIAAAAAAAAAAAAAAA="/>
+                <pr:smNativeData xmlns:pr="smNativeData" val="SMDATA_13_gcGAXRMAAAAlAAAAZAAAAA8BAAAAkAAAAEgAAACQAAAASAAAAAAAAAABAAAAAAAAAAEAAABQAAAAAAAAAAAA4D8AAAAAAADgPwAAAAAAAOA/AAAAAAAA4D8AAAAAAADgPwAAAAAAAOA/AAAAAAAA4D8AAAAAAADgPwAAAAAAAOA/AAAAAAAA4D8CAAAAjAAAAAAAAAAAAAAAu+DjDP///wgAAAAAAAAAAAAAAAAAAAAAAAAAAAAAAAAAAAAAZAAAAAEAAABAAAAAAAAAAAAAAAAAAAAAAAAAAAAAAAAAAAAAAAAAAAAAAAAAAAAAAAAAAAAAAAAAAAAAAAAAAAAAAAAAAAAAAAAAAAAAAAAAAAAAAAAAAAAAAAAAAAAAFAAAADwAAAAAAAAAAAAAAAAAAAkUAAAAAQAAABQAAAAUAAAAFAAAAAEAAAAAAAAAZAAAAGQAAAAAAAAAZAAAAGQAAAAVAAAAYAAAAAAAAAAAAAAADwAAACADAAAAAAAAAAAAAAEAAACgMgAAVgcAAKr4//8BAAAAf39/AAEAAABkAAAAAAAAABQAAABAHwAAAAAAACYAAAAAAAAAwOD//wAAAAAmAAAAZAAAABYAAABMAAAAAAAAAAAAAAAEAAAAAAAAAAEAAACAgIAKAAAAACgAAAAoAAAAZAAAAGQAAAAAAAAAzMzMAAAAAABQAAAAUAAAAGQAAABkAAAAAAAAABcAAAAUAAAAAAAAAAAAAAD/fwAA/38AAAAAAAAJAAAABAAAAAAAAAAMAAAAEAAAAAAAAAAAAAAAAAAAAAAAAAAeAAAAaAAAAAAAAAAAAAAAAAAAAAAAAAAAAAAAECcAABAnAAAAAAAAAAAAAAAAAAAAAAAAAAAAAAAAAAAAAAAAAAAAABQAAAAAAAAAwMD/AAAAAABkAAAAMgAAAAAAAABkAAAAAAAAAH9/fwAKAAAAHwAAAFQAAAAAAAAFAAAAAQAAAAAAAAAAAAAAAAAAAAAAAAAAAAAAAAAAAAAAAAAAAAAAAn9/fwAAAAADzMzMAMDA/wB/f38AAAAAAAAAAAAAAAAAAAAAAAAAAAAhAAAAGAAAABQAAAA4EwAAGycAAAglAABZKQAAEAAAACYAAAAIAAAAAAAAAAAAAAA="/>
               </a:ext>
             </a:extLst>
           </p:cNvSpPr>
@@ -1509,7 +1509,7 @@
             <a:spLocks noGrp="1" noChangeArrowheads="1"/>
             <a:extLst>
               <a:ext uri="smNativeData">
-                <pr:smNativeData xmlns:pr="smNativeData" val="SMDATA_13_IrKAXRMAAAAlAAAAZAAAAA8BAAAAkAAAAEgAAACQAAAASAAAAAAAAAABAAAAAAAAAAEAAABQAAAAAAAAAAAA4D8AAAAAAADgPwAAAAAAAOA/AAAAAAAA4D8AAAAAAADgPwAAAAAAAOA/AAAAAAAA4D8AAAAAAADgPwAAAAAAAOA/AAAAAAAA4D8CAAAAjAAAAAAAAAAAAAAAu+DjDP///wgAAAAAAAAAAAAAAAAAAAAAAAAAAAAAAAAAAAAAZAAAAAEAAABAAAAAAAAAAAAAAAAAAAAAAAAAAAAAAAAAAAAAAAAAAAAAAAAAAAAAAAAAAAAAAAAAAAAAAAAAAAAAAAAAAAAAAAAAAAAAAAAAAAAAAAAAAAAAAAAAAAAAFAAAADwAAAAAAAAAAAAAAAAAAAkUAAAAAQAAABQAAAAUAAAAFAAAAAEAAAAAAAAAZAAAAGQAAAAAAAAAZAAAAGQAAAAVAAAAYAAAAAAAAAAAAAAADwAAACADAAAAAAAAAAAAAAEAAACgMgAAVgcAAKr4//8BAAAAf39/AAEAAABkAAAAAAAAABQAAABAHwAAAAAAACYAAAAAAAAAwOD//wAAAAAmAAAAZAAAABYAAABMAAAAAAAAAAAAAAAEAAAAAAAAAAEAAACAgIAKAAAAACgAAAAoAAAAZAAAAGQAAAAAAAAAzMzMAAAAAABQAAAAUAAAAGQAAABkAAAAAAAAABcAAAAUAAAAAAAAAAAAAAD/fwAA/38AAAAAAAAJAAAABAAAAAAAAAAMAAAAEAAAAAAAAAAAAAAAAAAAAAAAAAAeAAAAaAAAAAAAAAAAAAAAAAAAAAAAAAAAAAAAECcAABAnAAAAAAAAAAAAAAAAAAAAAAAAAAAAAAAAAAAAAAAAAAAAABQAAAAAAAAAwMD/AAAAAABkAAAAMgAAAAAAAABkAAAAAAAAAH9/fwAKAAAAHwAAAFQAAAAAAAAFAAAAAQAAAAAAAAAAAAAAAAAAAAAAAAAAAAAAAAAAAAAAAAAAAAAAAn9/fwAAAAADzMzMAMDA/wB/f38AAAAAAAAAAAAAAAAAAAAAAAAAAAAhAAAAGAAAABQAAABQKAAAGycAAHA1AABZKQAAEAAAACYAAAAIAAAAAAAAAAAAAAA="/>
+                <pr:smNativeData xmlns:pr="smNativeData" val="SMDATA_13_gcGAXRMAAAAlAAAAZAAAAA8BAAAAkAAAAEgAAACQAAAASAAAAAAAAAABAAAAAAAAAAEAAABQAAAAAAAAAAAA4D8AAAAAAADgPwAAAAAAAOA/AAAAAAAA4D8AAAAAAADgPwAAAAAAAOA/AAAAAAAA4D8AAAAAAADgPwAAAAAAAOA/AAAAAAAA4D8CAAAAjAAAAAAAAAAAAAAAu+DjDP///wgAAAAAAAAAAAAAAAAAAAAAAAAAAAAAAAAAAAAAZAAAAAEAAABAAAAAAAAAAAAAAAAAAAAAAAAAAAAAAAAAAAAAAAAAAAAAAAAAAAAAAAAAAAAAAAAAAAAAAAAAAAAAAAAAAAAAAAAAAAAAAAAAAAAAAAAAAAAAAAAAAAAAFAAAADwAAAAAAAAAAAAAAAAAAAkUAAAAAQAAABQAAAAUAAAAFAAAAAEAAAAAAAAAZAAAAGQAAAAAAAAAZAAAAGQAAAAVAAAAYAAAAAAAAAAAAAAADwAAACADAAAAAAAAAAAAAAEAAACgMgAAVgcAAKr4//8BAAAAf39/AAEAAABkAAAAAAAAABQAAABAHwAAAAAAACYAAAAAAAAAwOD//wAAAAAmAAAAZAAAABYAAABMAAAAAAAAAAAAAAAEAAAAAAAAAAEAAACAgIAKAAAAACgAAAAoAAAAZAAAAGQAAAAAAAAAzMzMAAAAAABQAAAAUAAAAGQAAABkAAAAAAAAABcAAAAUAAAAAAAAAAAAAAD/fwAA/38AAAAAAAAJAAAABAAAAAAAAAAMAAAAEAAAAAAAAAAAAAAAAAAAAAAAAAAeAAAAaAAAAAAAAAAAAAAAAAAAAAAAAAAAAAAAECcAABAnAAAAAAAAAAAAAAAAAAAAAAAAAAAAAAAAAAAAAAAAAAAAABQAAAAAAAAAwMD/AAAAAABkAAAAMgAAAAAAAABkAAAAAAAAAH9/fwAKAAAAHwAAAFQAAAAAAAAFAAAAAQAAAAAAAAAAAAAAAAAAAAAAAAAAAAAAAAAAAAAAAAAAAAAAAn9/fwAAAAADzMzMAMDA/wB/f38AAAAAAAAAAAAAAAAAAAAAAAAAAAAhAAAAGAAAABQAAABQKAAAGycAAHA1AABZKQAAEAAAACYAAAAIAAAAAAAAAAAAAAA="/>
               </a:ext>
             </a:extLst>
           </p:cNvSpPr>
@@ -1523,7 +1523,7 @@
           <a:lstStyle/>
           <a:p>
             <a:pPr/>
-            <a:fld id="{477ECEFB-B5AA-2B38-E4C6-436D80881216}" type="slidenum">
+            <a:fld id="{4E47F26A-24A3-1204-EDFF-D251BCB11B87}" type="slidenum">
               <a:t/>
             </a:fld>
           </a:p>
@@ -1561,7 +1561,7 @@
             <a:spLocks noGrp="1" noChangeArrowheads="1"/>
             <a:extLst>
               <a:ext uri="smNativeData">
-                <pr:smNativeData xmlns:pr="smNativeData" val="SMDATA_13_IrKAXRMAAAAlAAAAZAAAAA8BAAAAkAAAAEgAAACQAAAASAAAAAAAAAABAAAAAAAAAAEAAABQAAAAAAAAAAAA4D8AAAAAAADgPwAAAAAAAOA/AAAAAAAA4D8AAAAAAADgPwAAAAAAAOA/AAAAAAAA4D8AAAAAAADgPwAAAAAAAOA/AAAAAAAA4D8CAAAAjAAAAAAAAAAAAAAAu+DjDP///wgAAAAAAAAAAAAAAAAAAAAAAAAAAAAAAAAAAAAAZAAAAAEAAABAAAAAAAAAAAAAAAAAAAAAAAAAAAAAAAAAAAAAAAAAAAAAAAAAAAAAAAAAAAAAAAAAAAAAAAAAAAAAAAAAAAAAAAAAAAAAAAAAAAAAAAAAAAAAAAAAAAAAFAAAADwAAAAAAAAAAAAAAAAAAAkUAAAAAQAAABQAAAAUAAAAFAAAAAEAAAAAAAAAZAAAAGQAAAAAAAAAZAAAAGQAAAAVAAAAYAAAAAAAAAAAAAAADwAAACADAAAAAAAAAAAAAAEAAACgMgAAVgcAAKr4//8BAAAAf39/AAEAAABkAAAAAAAAABQAAABAHwAAAAAAACYAAAAAAAAAwOD//wAAAAAmAAAAZAAAABYAAABMAAAAAAAAAAAAAAAEAAAAAAAAAAEAAACAgIAKAAAAACgAAAAoAAAAZAAAAGQAAAAAAAAAzMzMAAAAAABQAAAAUAAAAGQAAABkAAAAAAAAABcAAAAUAAAAAAAAAAAAAAD/fwAA/38AAAAAAAAJAAAABAAAAAAAAAAMAAAAEAAAAAAAAAAAAAAAAAAAAAAAAAAeAAAAaAAAAAAAAAAAAAAAAAAAAAAAAAAAAAAAECcAABAnAAAAAAAAAAAAAAAAAAAAAAAAAAAAAAAAAAAAAAAAAAAAABQAAAAAAAAAwMD/AAAAAABkAAAAMgAAAAAAAABkAAAAAAAAAH9/fwAKAAAAHwAAAFQAAAAAAAAFAAAAAQAAAAAAAAAAAAAAAAAAAAAAAAAAAAAAAAAAAAAAAAAAAAAAAn9/fwAAAAADzMzMAMDA/wB/f38AAAAAAAAAAAAAAAAAAAAAAAAAAAAhAAAAGAAAABQAAADQAgAAsAEAAHA1AAC4CAAAEAAAACYAAAAIAAAAAAAAAAAAAAA="/>
+                <pr:smNativeData xmlns:pr="smNativeData" val="SMDATA_13_gcGAXRMAAAAlAAAAZAAAAA8BAAAAkAAAAEgAAACQAAAASAAAAAAAAAABAAAAAAAAAAEAAABQAAAAAAAAAAAA4D8AAAAAAADgPwAAAAAAAOA/AAAAAAAA4D8AAAAAAADgPwAAAAAAAOA/AAAAAAAA4D8AAAAAAADgPwAAAAAAAOA/AAAAAAAA4D8CAAAAjAAAAAAAAAAAAAAAu+DjDP///wgAAAAAAAAAAAAAAAAAAAAAAAAAAAAAAAAAAAAAZAAAAAEAAABAAAAAAAAAAAAAAAAAAAAAAAAAAAAAAAAAAAAAAAAAAAAAAAAAAAAAAAAAAAAAAAAAAAAAAAAAAAAAAAAAAAAAAAAAAAAAAAAAAAAAAAAAAAAAAAAAAAAAFAAAADwAAAAAAAAAAAAAAAAAAAkUAAAAAQAAABQAAAAUAAAAFAAAAAEAAAAAAAAAZAAAAGQAAAAAAAAAZAAAAGQAAAAVAAAAYAAAAAAAAAAAAAAADwAAACADAAAAAAAAAAAAAAEAAACgMgAAVgcAAKr4//8BAAAAf39/AAEAAABkAAAAAAAAABQAAABAHwAAAAAAACYAAAAAAAAAwOD//wAAAAAmAAAAZAAAABYAAABMAAAAAAAAAAAAAAAEAAAAAAAAAAEAAACAgIAKAAAAACgAAAAoAAAAZAAAAGQAAAAAAAAAzMzMAAAAAABQAAAAUAAAAGQAAABkAAAAAAAAABcAAAAUAAAAAAAAAAAAAAD/fwAA/38AAAAAAAAJAAAABAAAAAAAAAAMAAAAEAAAAAAAAAAAAAAAAAAAAAAAAAAeAAAAaAAAAAAAAAAAAAAAAAAAAAAAAAAAAAAAECcAABAnAAAAAAAAAAAAAAAAAAAAAAAAAAAAAAAAAAAAAAAAAAAAABQAAAAAAAAAwMD/AAAAAABkAAAAMgAAAAAAAABkAAAAAAAAAH9/fwAKAAAAHwAAAFQAAAAAAAAFAAAAAQAAAAAAAAAAAAAAAAAAAAAAAAAAAAAAAAAAAAAAAAAAAAAAAn9/fwAAAAADzMzMAMDA/wB/f38AAAAAAAAAAAAAAAAAAAAAAAAAAAAhAAAAGAAAABQAAADQAgAAsAEAAHA1AAC4CAAAEAAAACYAAAAIAAAAAAAAAAAAAAA="/>
               </a:ext>
             </a:extLst>
           </p:cNvSpPr>
@@ -1588,7 +1588,7 @@
             <a:spLocks noGrp="1" noChangeArrowheads="1"/>
             <a:extLst>
               <a:ext uri="smNativeData">
-                <pr:smNativeData xmlns:pr="smNativeData" val="SMDATA_13_IrKAXRMAAAAlAAAAZAAAAA8BAAAAkAAAAEgAAACQAAAASAAAAAAAAAACAAAAAAAAAAEAAABQAAAAAAAAAAAA4D8AAAAAAADgPwAAAAAAAOA/AAAAAAAA4D8AAAAAAADgPwAAAAAAAOA/AAAAAAAA4D8AAAAAAADgPwAAAAAAAOA/AAAAAAAA4D8CAAAAjAAAAAAAAAAAAAAAu+DjDP///wgAAAAAAAAAAAAAAAAAAAAAAAAAAAAAAAAAAAAAZAAAAAEAAABAAAAAAAAAAAAAAAAAAAAAAAAAAAAAAAAAAAAAAAAAAAAAAAAAAAAAAAAAAAAAAAAAAAAAAAAAAAAAAAAAAAAAAAAAAAAAAAAAAAAAAAAAAAAAAAAAAAAAFAAAADwAAAAAAAAAAAAAAAAAAAkUAAAAAQAAABQAAAAUAAAAFAAAAAEAAAAAAAAAZAAAAGQAAAAAAAAAZAAAAGQAAAAVAAAAYAAAAAAAAAAAAAAADwAAACADAAAAAAAAAAAAAAEAAACgMgAAVgcAAKr4//8BAAAAf39/AAEAAABkAAAAAAAAABQAAABAHwAAAAAAACYAAAAAAAAAwOD//wAAAAAmAAAAZAAAABYAAABMAAAAAAAAAAAAAAAEAAAAAAAAAAEAAACAgIAKAAAAACgAAAAoAAAAZAAAAGQAAAAAAAAAzMzMAAAAAABQAAAAUAAAAGQAAABkAAAAAAAAABcAAAAUAAAAAAAAAAAAAAD/fwAA/38AAAAAAAAJAAAABAAAAAAAAAAMAAAAEAAAAAAAAAAAAAAAAAAAAAAAAAAeAAAAaAAAAAAAAAAAAAAAAAAAAAAAAAAAAAAAECcAABAnAAAAAAAAAAAAAAAAAAAAAAAAAAAAAAAAAAAAAAAAAAAAABQAAAAAAAAAwMD/AAAAAABkAAAAMgAAAAAAAABkAAAAAAAAAH9/fwAKAAAAHwAAAFQAAAAAAAAFAAAAAQAAAAAAAAAAAAAAAAAAAAAAAAAAAAAAAAAAAAAAAAAAAAAAAn9/fwAAAAADzMzMAMDA/wB/f38AAAAAAAAAAAAAAAAAAAAAAAAAAAAhAAAAGAAAABQAAADQAgAAcQkAAKobAABhDQAAEAAAACYAAAAIAAAAgYAAAAAAAAA="/>
+                <pr:smNativeData xmlns:pr="smNativeData" val="SMDATA_13_gcGAXRMAAAAlAAAAZAAAAA8BAAAAkAAAAEgAAACQAAAASAAAAAAAAAACAAAAAAAAAAEAAABQAAAAAAAAAAAA4D8AAAAAAADgPwAAAAAAAOA/AAAAAAAA4D8AAAAAAADgPwAAAAAAAOA/AAAAAAAA4D8AAAAAAADgPwAAAAAAAOA/AAAAAAAA4D8CAAAAjAAAAAAAAAAAAAAAu+DjDP///wgAAAAAAAAAAAAAAAAAAAAAAAAAAAAAAAAAAAAAZAAAAAEAAABAAAAAAAAAAAAAAAAAAAAAAAAAAAAAAAAAAAAAAAAAAAAAAAAAAAAAAAAAAAAAAAAAAAAAAAAAAAAAAAAAAAAAAAAAAAAAAAAAAAAAAAAAAAAAAAAAAAAAFAAAADwAAAAAAAAAAAAAAAAAAAkUAAAAAQAAABQAAAAUAAAAFAAAAAEAAAAAAAAAZAAAAGQAAAAAAAAAZAAAAGQAAAAVAAAAYAAAAAAAAAAAAAAADwAAACADAAAAAAAAAAAAAAEAAACgMgAAVgcAAKr4//8BAAAAf39/AAEAAABkAAAAAAAAABQAAABAHwAAAAAAACYAAAAAAAAAwOD//wAAAAAmAAAAZAAAABYAAABMAAAAAAAAAAAAAAAEAAAAAAAAAAEAAACAgIAKAAAAACgAAAAoAAAAZAAAAGQAAAAAAAAAzMzMAAAAAABQAAAAUAAAAGQAAABkAAAAAAAAABcAAAAUAAAAAAAAAAAAAAD/fwAA/38AAAAAAAAJAAAABAAAAAAAAAAMAAAAEAAAAAAAAAAAAAAAAAAAAAAAAAAeAAAAaAAAAAAAAAAAAAAAAAAAAAAAAAAAAAAAECcAABAnAAAAAAAAAAAAAAAAAAAAAAAAAAAAAAAAAAAAAAAAAAAAABQAAAAAAAAAwMD/AAAAAABkAAAAMgAAAAAAAABkAAAAAAAAAH9/fwAKAAAAHwAAAFQAAAAAAAAFAAAAAQAAAAAAAAAAAAAAAAAAAAAAAAAAAAAAAAAAAAAAAAAAAAAAAn9/fwAAAAADzMzMAMDA/wB/f38AAAAAAAAAAAAAAAAAAAAAAAAAAAAhAAAAGAAAABQAAADQAgAAcQkAAKobAABhDQAAEAAAACYAAAAIAAAAgYAAAAAAAAA="/>
               </a:ext>
             </a:extLst>
           </p:cNvSpPr>
@@ -1685,7 +1685,7 @@
             <a:spLocks noGrp="1" noChangeArrowheads="1"/>
             <a:extLst>
               <a:ext uri="smNativeData">
-                <pr:smNativeData xmlns:pr="smNativeData" val="SMDATA_13_IrKAXRMAAAAlAAAAZAAAAA8BAAAAkAAAAEgAAACQAAAASAAAAAAAAAAAAAAAAAAAAAEAAABQAAAAAAAAAAAA4D8AAAAAAADgPwAAAAAAAOA/AAAAAAAA4D8AAAAAAADgPwAAAAAAAOA/AAAAAAAA4D8AAAAAAADgPwAAAAAAAOA/AAAAAAAA4D8CAAAAjAAAAAAAAAAAAAAAu+DjDP///wgAAAAAAAAAAAAAAAAAAAAAAAAAAAAAAAAAAAAAZAAAAAEAAABAAAAAAAAAAAAAAAAAAAAAAAAAAAAAAAAAAAAAAAAAAAAAAAAAAAAAAAAAAAAAAAAAAAAAAAAAAAAAAAAAAAAAAAAAAAAAAAAAAAAAAAAAAAAAAAAAAAAAFAAAADwAAAAAAAAAAAAAAAAAAAkUAAAAAQAAABQAAAAUAAAAFAAAAAEAAAAAAAAAZAAAAGQAAAAAAAAAZAAAAGQAAAAVAAAAYAAAAAAAAAAAAAAADwAAACADAAAAAAAAAAAAAAEAAACgMgAAVgcAAKr4//8BAAAAf39/AAEAAABkAAAAAAAAABQAAABAHwAAAAAAACYAAAAAAAAAwOD//wAAAAAmAAAAZAAAABYAAABMAAAAAAAAAAAAAAAEAAAAAAAAAAEAAACAgIAKAAAAACgAAAAoAAAAZAAAAGQAAAAAAAAAzMzMAAAAAABQAAAAUAAAAGQAAABkAAAAAAAAABcAAAAUAAAAAAAAAAAAAAD/fwAA/38AAAAAAAAJAAAABAAAAAAAAAAMAAAAEAAAAAAAAAAAAAAAAAAAAAAAAAAeAAAAaAAAAAAAAAAAAAAAAAAAAAAAAAAAAAAAECcAABAnAAAAAAAAAAAAAAAAAAAAAAAAAAAAAAAAAAAAAAAAAAAAABQAAAAAAAAAwMD/AAAAAABkAAAAMgAAAAAAAABkAAAAAAAAAH9/fwAKAAAAHwAAAFQAAAAAAAAFAAAAAQAAAAAAAAAAAAAAAAAAAAAAAAAAAAAAAAAAAAAAAAAAAAAAAn9/fwAAAAADzMzMAMDA/wB/f38AAAAAAAAAAAAAAAAAAAAAAAAAAAAhAAAAGAAAABQAAADQAgAAYQ0AAKobAACwJQAAEAAAACYAAAAIAAAAAYAAAAAAAAA="/>
+                <pr:smNativeData xmlns:pr="smNativeData" val="SMDATA_13_gcGAXRMAAAAlAAAAZAAAAA8BAAAAkAAAAEgAAACQAAAASAAAAAAAAAAAAAAAAAAAAAEAAABQAAAAAAAAAAAA4D8AAAAAAADgPwAAAAAAAOA/AAAAAAAA4D8AAAAAAADgPwAAAAAAAOA/AAAAAAAA4D8AAAAAAADgPwAAAAAAAOA/AAAAAAAA4D8CAAAAjAAAAAAAAAAAAAAAu+DjDP///wgAAAAAAAAAAAAAAAAAAAAAAAAAAAAAAAAAAAAAZAAAAAEAAABAAAAAAAAAAAAAAAAAAAAAAAAAAAAAAAAAAAAAAAAAAAAAAAAAAAAAAAAAAAAAAAAAAAAAAAAAAAAAAAAAAAAAAAAAAAAAAAAAAAAAAAAAAAAAAAAAAAAAFAAAADwAAAAAAAAAAAAAAAAAAAkUAAAAAQAAABQAAAAUAAAAFAAAAAEAAAAAAAAAZAAAAGQAAAAAAAAAZAAAAGQAAAAVAAAAYAAAAAAAAAAAAAAADwAAACADAAAAAAAAAAAAAAEAAACgMgAAVgcAAKr4//8BAAAAf39/AAEAAABkAAAAAAAAABQAAABAHwAAAAAAACYAAAAAAAAAwOD//wAAAAAmAAAAZAAAABYAAABMAAAAAAAAAAAAAAAEAAAAAAAAAAEAAACAgIAKAAAAACgAAAAoAAAAZAAAAGQAAAAAAAAAzMzMAAAAAABQAAAAUAAAAGQAAABkAAAAAAAAABcAAAAUAAAAAAAAAAAAAAD/fwAA/38AAAAAAAAJAAAABAAAAAAAAAAMAAAAEAAAAAAAAAAAAAAAAAAAAAAAAAAeAAAAaAAAAAAAAAAAAAAAAAAAAAAAAAAAAAAAECcAABAnAAAAAAAAAAAAAAAAAAAAAAAAAAAAAAAAAAAAAAAAAAAAABQAAAAAAAAAwMD/AAAAAABkAAAAMgAAAAAAAABkAAAAAAAAAH9/fwAKAAAAHwAAAFQAAAAAAAAFAAAAAQAAAAAAAAAAAAAAAAAAAAAAAAAAAAAAAAAAAAAAAAAAAAAAAn9/fwAAAAADzMzMAMDA/wB/f38AAAAAAAAAAAAAAAAAAAAAAAAAAAAhAAAAGAAAABQAAADQAgAAYQ0AAKobAACwJQAAEAAAACYAAAAIAAAAAYAAAAAAAAA="/>
               </a:ext>
             </a:extLst>
           </p:cNvSpPr>
@@ -1769,7 +1769,7 @@
             <a:spLocks noGrp="1" noChangeArrowheads="1"/>
             <a:extLst>
               <a:ext uri="smNativeData">
-                <pr:smNativeData xmlns:pr="smNativeData" val="SMDATA_13_IrKAXRMAAAAlAAAAZAAAAA8BAAAAkAAAAEgAAACQAAAASAAAAAAAAAACAAAAAAAAAAEAAABQAAAAAAAAAAAA4D8AAAAAAADgPwAAAAAAAOA/AAAAAAAA4D8AAAAAAADgPwAAAAAAAOA/AAAAAAAA4D8AAAAAAADgPwAAAAAAAOA/AAAAAAAA4D8CAAAAjAAAAAAAAAAAAAAAu+DjDP///wgAAAAAAAAAAAAAAAAAAAAAAAAAAAAAAAAAAAAAZAAAAAEAAABAAAAAAAAAAAAAAAAAAAAAAAAAAAAAAAAAAAAAAAAAAAAAAAAAAAAAAAAAAAAAAAAAAAAAAAAAAAAAAAAAAAAAAAAAAAAAAAAAAAAAAAAAAAAAAAAAAAAAFAAAADwAAAAAAAAAAAAAAAAAAAkUAAAAAQAAABQAAAAUAAAAFAAAAAEAAAAAAAAAZAAAAGQAAAAAAAAAZAAAAGQAAAAVAAAAYAAAAAAAAAAAAAAADwAAACADAAAAAAAAAAAAAAEAAACgMgAAVgcAAKr4//8BAAAAf39/AAEAAABkAAAAAAAAABQAAABAHwAAAAAAACYAAAAAAAAAwOD//wAAAAAmAAAAZAAAABYAAABMAAAAAAAAAAAAAAAEAAAAAAAAAAEAAACAgIAKAAAAACgAAAAoAAAAZAAAAGQAAAAAAAAAzMzMAAAAAABQAAAAUAAAAGQAAABkAAAAAAAAABcAAAAUAAAAAAAAAAAAAAD/fwAA/38AAAAAAAAJAAAABAAAAEjqUAQMAAAAEAAAAAAAAAAAAAAAAAAAAAAAAAAeAAAAaAAAAAAAAAAAAAAAAAAAAAAAAAAAAAAAECcAABAnAAAAAAAAAAAAAAAAAAAAAAAAAAAAAAAAAAAAAAAAAAAAABQAAAAAAAAAwMD/AAAAAABkAAAAMgAAAAAAAABkAAAAAAAAAH9/fwAKAAAAHwAAAFQAAAAAAAAFAAAAAQAAAAAAAAAAAAAAAAAAAAAAAAAAAAAAAAAAAAAAAAAAAAAAAn9/fwAAAAADzMzMAMDA/wB/f38AAAAAAAAAAAAAAAAAAAAAAAAAAAAhAAAAGAAAABQAAACWHAAAcQkAAHA1AABhDQAAEAAAACYAAAAIAAAAgYAAAAAAAAA="/>
+                <pr:smNativeData xmlns:pr="smNativeData" val="SMDATA_13_gcGAXRMAAAAlAAAAZAAAAA8BAAAAkAAAAEgAAACQAAAASAAAAAAAAAACAAAAAAAAAAEAAABQAAAAAAAAAAAA4D8AAAAAAADgPwAAAAAAAOA/AAAAAAAA4D8AAAAAAADgPwAAAAAAAOA/AAAAAAAA4D8AAAAAAADgPwAAAAAAAOA/AAAAAAAA4D8CAAAAjAAAAAAAAAAAAAAAu+DjDP///wgAAAAAAAAAAAAAAAAAAAAAAAAAAAAAAAAAAAAAZAAAAAEAAABAAAAAAAAAAAAAAAAAAAAAAAAAAAAAAAAAAAAAAAAAAAAAAAAAAAAAAAAAAAAAAAAAAAAAAAAAAAAAAAAAAAAAAAAAAAAAAAAAAAAAAAAAAAAAAAAAAAAAFAAAADwAAAAAAAAAAAAAAAAAAAkUAAAAAQAAABQAAAAUAAAAFAAAAAEAAAAAAAAAZAAAAGQAAAAAAAAAZAAAAGQAAAAVAAAAYAAAAAAAAAAAAAAADwAAACADAAAAAAAAAAAAAAEAAACgMgAAVgcAAKr4//8BAAAAf39/AAEAAABkAAAAAAAAABQAAABAHwAAAAAAACYAAAAAAAAAwOD//wAAAAAmAAAAZAAAABYAAABMAAAAAAAAAAAAAAAEAAAAAAAAAAEAAACAgIAKAAAAACgAAAAoAAAAZAAAAGQAAAAAAAAAzMzMAAAAAABQAAAAUAAAAGQAAABkAAAAAAAAABcAAAAUAAAAAAAAAAAAAAD/fwAA/38AAAAAAAAJAAAABAAAAEjqUAQMAAAAEAAAAAAAAAAAAAAAAAAAAAAAAAAeAAAAaAAAAAAAAAAAAAAAAAAAAAAAAAAAAAAAECcAABAnAAAAAAAAAAAAAAAAAAAAAAAAAAAAAAAAAAAAAAAAAAAAABQAAAAAAAAAwMD/AAAAAABkAAAAMgAAAAAAAABkAAAAAAAAAH9/fwAKAAAAHwAAAFQAAAAAAAAFAAAAAQAAAAAAAAAAAAAAAAAAAAAAAAAAAAAAAAAAAAAAAAAAAAAAAn9/fwAAAAADzMzMAMDA/wB/f38AAAAAAAAAAAAAAAAAAAAAAAAAAAAhAAAAGAAAABQAAACWHAAAcQkAAHA1AABhDQAAEAAAACYAAAAIAAAAgYAAAAAAAAA="/>
               </a:ext>
             </a:extLst>
           </p:cNvSpPr>
@@ -1842,7 +1842,7 @@
             <a:spLocks noGrp="1" noChangeArrowheads="1"/>
             <a:extLst>
               <a:ext uri="smNativeData">
-                <pr:smNativeData xmlns:pr="smNativeData" val="SMDATA_13_IrKAXRMAAAAlAAAAZAAAAA8BAAAAkAAAAEgAAACQAAAASAAAAAAAAAAAAAAAAAAAAAEAAABQAAAAAAAAAAAA4D8AAAAAAADgPwAAAAAAAOA/AAAAAAAA4D8AAAAAAADgPwAAAAAAAOA/AAAAAAAA4D8AAAAAAADgPwAAAAAAAOA/AAAAAAAA4D8CAAAAjAAAAAAAAAAAAAAAu+DjDP///wgAAAAAAAAAAAAAAAAAAAAAAAAAAAAAAAAAAAAAZAAAAAEAAABAAAAAAAAAAAAAAAAAAAAAAAAAAAAAAAAAAAAAAAAAAAAAAAAAAAAAAAAAAAAAAAAAAAAAAAAAAAAAAAAAAAAAAAAAAAAAAAAAAAAAAAAAAAAAAAAAAAAAFAAAADwAAAAAAAAAAAAAAAAAAAkUAAAAAQAAABQAAAAUAAAAFAAAAAEAAAAAAAAAZAAAAGQAAAAAAAAAZAAAAGQAAAAVAAAAYAAAAAAAAAAAAAAADwAAACADAAAAAAAAAAAAAAEAAACgMgAAVgcAAKr4//8BAAAAf39/AAEAAABkAAAAAAAAABQAAABAHwAAAAAAACYAAAAAAAAAwOD//wAAAAAmAAAAZAAAABYAAABMAAAAAAAAAAAAAAAEAAAAAAAAAAEAAACAgIAKAAAAACgAAAAoAAAAZAAAAGQAAAAAAAAAzMzMAAAAAABQAAAAUAAAAGQAAABkAAAAAAAAABcAAAAUAAAAAAAAAAAAAAD/fwAA/38AAAAAAAAJAAAABAAAAAAAAAAMAAAAEAAAAAAAAAAAAAAAAAAAAAAAAAAeAAAAaAAAAAAAAAAAAAAAAAAAAAAAAAAAAAAAECcAABAnAAAAAAAAAAAAAAAAAAAAAAAAAAAAAAAAAAAAAAAAAAAAABQAAAAAAAAAwMD/AAAAAABkAAAAMgAAAAAAAABkAAAAAAAAAH9/fwAKAAAAHwAAAFQAAAAAAAAFAAAAAQAAAAAAAAAAAAAAAAAAAAAAAAAAAAAAAAAAAAAAAAAAAAAAAn9/fwAAAAADzMzMAMDA/wB/f38AAAAAAAAAAAAAAAAAAAAAAAAAAAAhAAAAGAAAABQAAACWHAAAYQ0AAHA1AACwJQAAEAAAACYAAAAIAAAAAYAAAAAAAAA="/>
+                <pr:smNativeData xmlns:pr="smNativeData" val="SMDATA_13_gcGAXRMAAAAlAAAAZAAAAA8BAAAAkAAAAEgAAACQAAAASAAAAAAAAAAAAAAAAAAAAAEAAABQAAAAAAAAAAAA4D8AAAAAAADgPwAAAAAAAOA/AAAAAAAA4D8AAAAAAADgPwAAAAAAAOA/AAAAAAAA4D8AAAAAAADgPwAAAAAAAOA/AAAAAAAA4D8CAAAAjAAAAAAAAAAAAAAAu+DjDP///wgAAAAAAAAAAAAAAAAAAAAAAAAAAAAAAAAAAAAAZAAAAAEAAABAAAAAAAAAAAAAAAAAAAAAAAAAAAAAAAAAAAAAAAAAAAAAAAAAAAAAAAAAAAAAAAAAAAAAAAAAAAAAAAAAAAAAAAAAAAAAAAAAAAAAAAAAAAAAAAAAAAAAFAAAADwAAAAAAAAAAAAAAAAAAAkUAAAAAQAAABQAAAAUAAAAFAAAAAEAAAAAAAAAZAAAAGQAAAAAAAAAZAAAAGQAAAAVAAAAYAAAAAAAAAAAAAAADwAAACADAAAAAAAAAAAAAAEAAACgMgAAVgcAAKr4//8BAAAAf39/AAEAAABkAAAAAAAAABQAAABAHwAAAAAAACYAAAAAAAAAwOD//wAAAAAmAAAAZAAAABYAAABMAAAAAAAAAAAAAAAEAAAAAAAAAAEAAACAgIAKAAAAACgAAAAoAAAAZAAAAGQAAAAAAAAAzMzMAAAAAABQAAAAUAAAAGQAAABkAAAAAAAAABcAAAAUAAAAAAAAAAAAAAD/fwAA/38AAAAAAAAJAAAABAAAAAAAAAAMAAAAEAAAAAAAAAAAAAAAAAAAAAAAAAAeAAAAaAAAAAAAAAAAAAAAAAAAAAAAAAAAAAAAECcAABAnAAAAAAAAAAAAAAAAAAAAAAAAAAAAAAAAAAAAAAAAAAAAABQAAAAAAAAAwMD/AAAAAABkAAAAMgAAAAAAAABkAAAAAAAAAH9/fwAKAAAAHwAAAFQAAAAAAAAFAAAAAQAAAAAAAAAAAAAAAAAAAAAAAAAAAAAAAAAAAAAAAAAAAAAAAn9/fwAAAAADzMzMAMDA/wB/f38AAAAAAAAAAAAAAAAAAAAAAAAAAAAhAAAAGAAAABQAAACWHAAAYQ0AAHA1AACwJQAAEAAAACYAAAAIAAAAAYAAAAAAAAA="/>
               </a:ext>
             </a:extLst>
           </p:cNvSpPr>
@@ -1926,7 +1926,7 @@
             <a:spLocks noGrp="1" noChangeArrowheads="1"/>
             <a:extLst>
               <a:ext uri="smNativeData">
-                <pr:smNativeData xmlns:pr="smNativeData" val="SMDATA_13_IrKAXRMAAAAlAAAAZAAAAA8BAAAAkAAAAEgAAACQAAAASAAAAAAAAAABAAAAAAAAAAEAAABQAAAAAAAAAAAA4D8AAAAAAADgPwAAAAAAAOA/AAAAAAAA4D8AAAAAAADgPwAAAAAAAOA/AAAAAAAA4D8AAAAAAADgPwAAAAAAAOA/AAAAAAAA4D8CAAAAjAAAAAAAAAAAAAAAu+DjDP///wgAAAAAAAAAAAAAAAAAAAAAAAAAAAAAAAAAAAAAZAAAAAEAAABAAAAAAAAAAAAAAAAAAAAAAAAAAAAAAAAAAAAAAAAAAAAAAAAAAAAAAAAAAAAAAAAAAAAAAAAAAAAAAAAAAAAAAAAAAAAAAAAAAAAAAAAAAAAAAAAAAAAAFAAAADwAAAAAAAAAAAAAAAAAAAkUAAAAAQAAABQAAAAUAAAAFAAAAAEAAAAAAAAAZAAAAGQAAAAAAAAAZAAAAGQAAAAVAAAAYAAAAAAAAAAAAAAADwAAACADAAAAAAAAAAAAAAEAAACgMgAAVgcAAKr4//8BAAAAf39/AAEAAABkAAAAAAAAABQAAABAHwAAAAAAACYAAAAAAAAAwOD//wAAAAAmAAAAZAAAABYAAABMAAAAAAAAAAAAAAAEAAAAAAAAAAEAAACAgIAKAAAAACgAAAAoAAAAZAAAAGQAAAAAAAAAzMzMAAAAAABQAAAAUAAAAGQAAABkAAAAAAAAABcAAAAUAAAAAAAAAAAAAAD/fwAA/38AAAAAAAAJAAAABAAAADjhRAsMAAAAEAAAAAAAAAAAAAAAAAAAAAAAAAAeAAAAaAAAAAAAAAAAAAAAAAAAAAAAAAAAAAAAECcAABAnAAAAAAAAAAAAAAAAAAAAAAAAAAAAAAAAAAAAAAAAAAAAABQAAAAAAAAAwMD/AAAAAABkAAAAMgAAAAAAAABkAAAAAAAAAH9/fwAKAAAAHwAAAFQAAAAAAAAFAAAAAQAAAAAAAAAAAAAAAAAAAAAAAAAAAAAAAAAAAAAAAAAAAAAAAn9/fwAAAAADzMzMAMDA/wB/f38AAAAAAAAAAAAAAAAAAAAAAAAAAAAhAAAAGAAAABQAAADQAgAAGycAAPAPAABZKQAAEAAAACYAAAAIAAAAAAAAAAAAAAA="/>
+                <pr:smNativeData xmlns:pr="smNativeData" val="SMDATA_13_gcGAXRMAAAAlAAAAZAAAAA8BAAAAkAAAAEgAAACQAAAASAAAAAAAAAABAAAAAAAAAAEAAABQAAAAAAAAAAAA4D8AAAAAAADgPwAAAAAAAOA/AAAAAAAA4D8AAAAAAADgPwAAAAAAAOA/AAAAAAAA4D8AAAAAAADgPwAAAAAAAOA/AAAAAAAA4D8CAAAAjAAAAAAAAAAAAAAAu+DjDP///wgAAAAAAAAAAAAAAAAAAAAAAAAAAAAAAAAAAAAAZAAAAAEAAABAAAAAAAAAAAAAAAAAAAAAAAAAAAAAAAAAAAAAAAAAAAAAAAAAAAAAAAAAAAAAAAAAAAAAAAAAAAAAAAAAAAAAAAAAAAAAAAAAAAAAAAAAAAAAAAAAAAAAFAAAADwAAAAAAAAAAAAAAAAAAAkUAAAAAQAAABQAAAAUAAAAFAAAAAEAAAAAAAAAZAAAAGQAAAAAAAAAZAAAAGQAAAAVAAAAYAAAAAAAAAAAAAAADwAAACADAAAAAAAAAAAAAAEAAACgMgAAVgcAAKr4//8BAAAAf39/AAEAAABkAAAAAAAAABQAAABAHwAAAAAAACYAAAAAAAAAwOD//wAAAAAmAAAAZAAAABYAAABMAAAAAAAAAAAAAAAEAAAAAAAAAAEAAACAgIAKAAAAACgAAAAoAAAAZAAAAGQAAAAAAAAAzMzMAAAAAABQAAAAUAAAAGQAAABkAAAAAAAAABcAAAAUAAAAAAAAAAAAAAD/fwAA/38AAAAAAAAJAAAABAAAADjhRAsMAAAAEAAAAAAAAAAAAAAAAAAAAAAAAAAeAAAAaAAAAAAAAAAAAAAAAAAAAAAAAAAAAAAAECcAABAnAAAAAAAAAAAAAAAAAAAAAAAAAAAAAAAAAAAAAAAAAAAAABQAAAAAAAAAwMD/AAAAAABkAAAAMgAAAAAAAABkAAAAAAAAAH9/fwAKAAAAHwAAAFQAAAAAAAAFAAAAAQAAAAAAAAAAAAAAAAAAAAAAAAAAAAAAAAAAAAAAAAAAAAAAAn9/fwAAAAADzMzMAMDA/wB/f38AAAAAAAAAAAAAAAAAAAAAAAAAAAAhAAAAGAAAABQAAADQAgAAGycAAPAPAABZKQAAEAAAACYAAAAIAAAAAAAAAAAAAAA="/>
               </a:ext>
             </a:extLst>
           </p:cNvSpPr>
@@ -1940,7 +1940,7 @@
           <a:lstStyle/>
           <a:p>
             <a:pPr/>
-            <a:fld id="{01E550CF-81EC-B0A6-A25D-77F31E135422}" type="datetime1">
+            <a:fld id="{7EBCD118-5693-E927-DD04-A0729F4A2BF5}" type="datetime1">
               <a:t/>
             </a:fld>
           </a:p>
@@ -1953,7 +1953,7 @@
             <a:spLocks noGrp="1" noChangeArrowheads="1"/>
             <a:extLst>
               <a:ext uri="smNativeData">
-                <pr:smNativeData xmlns:pr="smNativeData" val="SMDATA_13_IrKAXRMAAAAlAAAAZAAAAA8BAAAAkAAAAEgAAACQAAAASAAAAAAAAAABAAAAAAAAAAEAAABQAAAAAAAAAAAA4D8AAAAAAADgPwAAAAAAAOA/AAAAAAAA4D8AAAAAAADgPwAAAAAAAOA/AAAAAAAA4D8AAAAAAADgPwAAAAAAAOA/AAAAAAAA4D8CAAAAjAAAAAAAAAAAAAAAu+DjDP///wgAAAAAAAAAAAAAAAAAAAAAAAAAAAAAAAAAAAAAZAAAAAEAAABAAAAAAAAAAAAAAAAAAAAAAAAAAAAAAAAAAAAAAAAAAAAAAAAAAAAAAAAAAAAAAAAAAAAAAAAAAAAAAAAAAAAAAAAAAAAAAAAAAAAAAAAAAAAAAAAAAAAAFAAAADwAAAAAAAAAAAAAAAAAAAkUAAAAAQAAABQAAAAUAAAAFAAAAAEAAAAAAAAAZAAAAGQAAAAAAAAAZAAAAGQAAAAVAAAAYAAAAAAAAAAAAAAADwAAACADAAAAAAAAAAAAAAEAAACgMgAAVgcAAKr4//8BAAAAf39/AAEAAABkAAAAAAAAABQAAABAHwAAAAAAACYAAAAAAAAAwOD//wAAAAAmAAAAZAAAABYAAABMAAAAAAAAAAAAAAAEAAAAAAAAAAEAAACAgIAKAAAAACgAAAAoAAAAZAAAAGQAAAAAAAAAzMzMAAAAAABQAAAAUAAAAGQAAABkAAAAAAAAABcAAAAUAAAAAAAAAAAAAAD/fwAA/38AAAAAAAAJAAAABAAAAAAAAAAMAAAAEAAAAAAAAAAAAAAAAAAAAAAAAAAeAAAAaAAAAAAAAAAAAAAAAAAAAAAAAAAAAAAAECcAABAnAAAAAAAAAAAAAAAAAAAAAAAAAAAAAAAAAAAAAAAAAAAAABQAAAAAAAAAwMD/AAAAAABkAAAAMgAAAAAAAABkAAAAAAAAAH9/fwAKAAAAHwAAAFQAAAAAAAAFAAAAAQAAAAAAAAAAAAAAAAAAAAAAAAAAAAAAAAAAAAAAAAAAAAAAAn9/fwAAAAADzMzMAMDA/wB/f38AAAAAAAAAAAAAAAAAAAAAAAAAAAAhAAAAGAAAABQAAAA4EwAAGycAAAglAABZKQAAEAAAACYAAAAIAAAAAAAAAAAAAAA="/>
+                <pr:smNativeData xmlns:pr="smNativeData" val="SMDATA_13_gcGAXRMAAAAlAAAAZAAAAA8BAAAAkAAAAEgAAACQAAAASAAAAAAAAAABAAAAAAAAAAEAAABQAAAAAAAAAAAA4D8AAAAAAADgPwAAAAAAAOA/AAAAAAAA4D8AAAAAAADgPwAAAAAAAOA/AAAAAAAA4D8AAAAAAADgPwAAAAAAAOA/AAAAAAAA4D8CAAAAjAAAAAAAAAAAAAAAu+DjDP///wgAAAAAAAAAAAAAAAAAAAAAAAAAAAAAAAAAAAAAZAAAAAEAAABAAAAAAAAAAAAAAAAAAAAAAAAAAAAAAAAAAAAAAAAAAAAAAAAAAAAAAAAAAAAAAAAAAAAAAAAAAAAAAAAAAAAAAAAAAAAAAAAAAAAAAAAAAAAAAAAAAAAAFAAAADwAAAAAAAAAAAAAAAAAAAkUAAAAAQAAABQAAAAUAAAAFAAAAAEAAAAAAAAAZAAAAGQAAAAAAAAAZAAAAGQAAAAVAAAAYAAAAAAAAAAAAAAADwAAACADAAAAAAAAAAAAAAEAAACgMgAAVgcAAKr4//8BAAAAf39/AAEAAABkAAAAAAAAABQAAABAHwAAAAAAACYAAAAAAAAAwOD//wAAAAAmAAAAZAAAABYAAABMAAAAAAAAAAAAAAAEAAAAAAAAAAEAAACAgIAKAAAAACgAAAAoAAAAZAAAAGQAAAAAAAAAzMzMAAAAAABQAAAAUAAAAGQAAABkAAAAAAAAABcAAAAUAAAAAAAAAAAAAAD/fwAA/38AAAAAAAAJAAAABAAAAAAAAAAMAAAAEAAAAAAAAAAAAAAAAAAAAAAAAAAeAAAAaAAAAAAAAAAAAAAAAAAAAAAAAAAAAAAAECcAABAnAAAAAAAAAAAAAAAAAAAAAAAAAAAAAAAAAAAAAAAAAAAAABQAAAAAAAAAwMD/AAAAAABkAAAAMgAAAAAAAABkAAAAAAAAAH9/fwAKAAAAHwAAAFQAAAAAAAAFAAAAAQAAAAAAAAAAAAAAAAAAAAAAAAAAAAAAAAAAAAAAAAAAAAAAAn9/fwAAAAADzMzMAMDA/wB/f38AAAAAAAAAAAAAAAAAAAAAAAAAAAAhAAAAGAAAABQAAAA4EwAAGycAAAglAABZKQAAEAAAACYAAAAIAAAAAAAAAAAAAAA="/>
               </a:ext>
             </a:extLst>
           </p:cNvSpPr>
@@ -1977,7 +1977,7 @@
             <a:spLocks noGrp="1" noChangeArrowheads="1"/>
             <a:extLst>
               <a:ext uri="smNativeData">
-                <pr:smNativeData xmlns:pr="smNativeData" val="SMDATA_13_IrKAXRMAAAAlAAAAZAAAAA8BAAAAkAAAAEgAAACQAAAASAAAAAAAAAABAAAAAAAAAAEAAABQAAAAAAAAAAAA4D8AAAAAAADgPwAAAAAAAOA/AAAAAAAA4D8AAAAAAADgPwAAAAAAAOA/AAAAAAAA4D8AAAAAAADgPwAAAAAAAOA/AAAAAAAA4D8CAAAAjAAAAAAAAAAAAAAAu+DjDP///wgAAAAAAAAAAAAAAAAAAAAAAAAAAAAAAAAAAAAAZAAAAAEAAABAAAAAAAAAAAAAAAAAAAAAAAAAAAAAAAAAAAAAAAAAAAAAAAAAAAAAAAAAAAAAAAAAAAAAAAAAAAAAAAAAAAAAAAAAAAAAAAAAAAAAAAAAAAAAAAAAAAAAFAAAADwAAAAAAAAAAAAAAAAAAAkUAAAAAQAAABQAAAAUAAAAFAAAAAEAAAAAAAAAZAAAAGQAAAAAAAAAZAAAAGQAAAAVAAAAYAAAAAAAAAAAAAAADwAAACADAAAAAAAAAAAAAAEAAACgMgAAVgcAAKr4//8BAAAAf39/AAEAAABkAAAAAAAAABQAAABAHwAAAAAAACYAAAAAAAAAwOD//wAAAAAmAAAAZAAAABYAAABMAAAAAAAAAAAAAAAEAAAAAAAAAAEAAACAgIAKAAAAACgAAAAoAAAAZAAAAGQAAAAAAAAAzMzMAAAAAABQAAAAUAAAAGQAAABkAAAAAAAAABcAAAAUAAAAAAAAAAAAAAD/fwAA/38AAAAAAAAJAAAABAAAABiwuQcMAAAAEAAAAAAAAAAAAAAAAAAAAAAAAAAeAAAAaAAAAAAAAAAAAAAAAAAAAAAAAAAAAAAAECcAABAnAAAAAAAAAAAAAAAAAAAAAAAAAAAAAAAAAAAAAAAAAAAAABQAAAAAAAAAwMD/AAAAAABkAAAAMgAAAAAAAABkAAAAAAAAAH9/fwAKAAAAHwAAAFQAAAAAAAAFAAAAAQAAAAAAAAAAAAAAAAAAAAAAAAAAAAAAAAAAAAAAAAAAAAAAAn9/fwAAAAADzMzMAMDA/wB/f38AAAAAAAAAAAAAAAAAAAAAAAAAAAAhAAAAGAAAABQAAABQKAAAGycAAHA1AABZKQAAEAAAACYAAAAIAAAAAAAAAAAAAAA="/>
+                <pr:smNativeData xmlns:pr="smNativeData" val="SMDATA_13_gcGAXRMAAAAlAAAAZAAAAA8BAAAAkAAAAEgAAACQAAAASAAAAAAAAAABAAAAAAAAAAEAAABQAAAAAAAAAAAA4D8AAAAAAADgPwAAAAAAAOA/AAAAAAAA4D8AAAAAAADgPwAAAAAAAOA/AAAAAAAA4D8AAAAAAADgPwAAAAAAAOA/AAAAAAAA4D8CAAAAjAAAAAAAAAAAAAAAu+DjDP///wgAAAAAAAAAAAAAAAAAAAAAAAAAAAAAAAAAAAAAZAAAAAEAAABAAAAAAAAAAAAAAAAAAAAAAAAAAAAAAAAAAAAAAAAAAAAAAAAAAAAAAAAAAAAAAAAAAAAAAAAAAAAAAAAAAAAAAAAAAAAAAAAAAAAAAAAAAAAAAAAAAAAAFAAAADwAAAAAAAAAAAAAAAAAAAkUAAAAAQAAABQAAAAUAAAAFAAAAAEAAAAAAAAAZAAAAGQAAAAAAAAAZAAAAGQAAAAVAAAAYAAAAAAAAAAAAAAADwAAACADAAAAAAAAAAAAAAEAAACgMgAAVgcAAKr4//8BAAAAf39/AAEAAABkAAAAAAAAABQAAABAHwAAAAAAACYAAAAAAAAAwOD//wAAAAAmAAAAZAAAABYAAABMAAAAAAAAAAAAAAAEAAAAAAAAAAEAAACAgIAKAAAAACgAAAAoAAAAZAAAAGQAAAAAAAAAzMzMAAAAAABQAAAAUAAAAGQAAABkAAAAAAAAABcAAAAUAAAAAAAAAAAAAAD/fwAA/38AAAAAAAAJAAAABAAAABiwuQcMAAAAEAAAAAAAAAAAAAAAAAAAAAAAAAAeAAAAaAAAAAAAAAAAAAAAAAAAAAAAAAAAAAAAECcAABAnAAAAAAAAAAAAAAAAAAAAAAAAAAAAAAAAAAAAAAAAAAAAABQAAAAAAAAAwMD/AAAAAABkAAAAMgAAAAAAAABkAAAAAAAAAH9/fwAKAAAAHwAAAFQAAAAAAAAFAAAAAQAAAAAAAAAAAAAAAAAAAAAAAAAAAAAAAAAAAAAAAAAAAAAAAn9/fwAAAAADzMzMAMDA/wB/f38AAAAAAAAAAAAAAAAAAAAAAAAAAAAhAAAAGAAAABQAAABQKAAAGycAAHA1AABZKQAAEAAAACYAAAAIAAAAAAAAAAAAAAA="/>
               </a:ext>
             </a:extLst>
           </p:cNvSpPr>
@@ -1991,7 +1991,7 @@
           <a:lstStyle/>
           <a:p>
             <a:pPr/>
-            <a:fld id="{33466E18-56DE-1398-90FE-A0CD20B066F5}" type="slidenum">
+            <a:fld id="{4DDCAF14-5AA0-8959-EE64-AC0CE12A18F9}" type="slidenum">
               <a:t/>
             </a:fld>
           </a:p>
@@ -2029,7 +2029,7 @@
             <a:spLocks noGrp="1" noChangeArrowheads="1"/>
             <a:extLst>
               <a:ext uri="smNativeData">
-                <pr:smNativeData xmlns:pr="smNativeData" val="SMDATA_13_IrKAXRMAAAAlAAAAZAAAAA8BAAAAkAAAAEgAAACQAAAASAAAAAAAAAABAAAAAAAAAAEAAABQAAAAAAAAAAAA4D8AAAAAAADgPwAAAAAAAOA/AAAAAAAA4D8AAAAAAADgPwAAAAAAAOA/AAAAAAAA4D8AAAAAAADgPwAAAAAAAOA/AAAAAAAA4D8CAAAAjAAAAAAAAAAAAAAAu+DjDP///wgAAAAAAAAAAAAAAAAAAAAAAAAAAAAAAAAAAAAAZAAAAAEAAABAAAAAAAAAAAAAAAAAAAAAAAAAAAAAAAAAAAAAAAAAAAAAAAAAAAAAAAAAAAAAAAAAAAAAAAAAAAAAAAAAAAAAAAAAAAAAAAAAAAAAAAAAAAAAAAAAAAAAFAAAADwAAAAAAAAAAAAAAAAAAAkUAAAAAQAAABQAAAAUAAAAFAAAAAEAAAAAAAAAZAAAAGQAAAAAAAAAZAAAAGQAAAAVAAAAYAAAAAAAAAAAAAAADwAAACADAAAAAAAAAAAAAAEAAACgMgAAVgcAAKr4//8BAAAAf39/AAEAAABkAAAAAAAAABQAAABAHwAAAAAAACYAAAAAAAAAwOD//wAAAAAmAAAAZAAAABYAAABMAAAAAAAAAAAAAAAEAAAAAAAAAAEAAACAgIAKAAAAACgAAAAoAAAAZAAAAGQAAAAAAAAAzMzMAAAAAABQAAAAUAAAAGQAAABkAAAAAAAAABcAAAAUAAAAAAAAAAAAAAD/fwAA/38AAAAAAAAJAAAABAAAAPhkuQcMAAAAEAAAAAAAAAAAAAAAAAAAAAAAAAAeAAAAaAAAAAAAAAAAAAAAAAAAAAAAAAAAAAAAECcAABAnAAAAAAAAAAAAAAAAAAAAAAAAAAAAAAAAAAAAAAAAAAAAABQAAAAAAAAAwMD/AAAAAABkAAAAMgAAAAAAAABkAAAAAAAAAH9/fwAKAAAAHwAAAFQAAAAAAAAFAAAAAQAAAAAAAAAAAAAAAAAAAAAAAAAAAAAAAAAAAAAAAAAAAAAAAn9/fwAAAAADzMzMAMDA/wB/f38AAAAAAAAAAAAAAAAAAAAAAAAAAAAhAAAAGAAAABQAAADQAgAAsAEAAHA1AAC4CAAAEAAAACYAAAAIAAAAAAAAAAAAAAA="/>
+                <pr:smNativeData xmlns:pr="smNativeData" val="SMDATA_13_gcGAXRMAAAAlAAAAZAAAAA8BAAAAkAAAAEgAAACQAAAASAAAAAAAAAABAAAAAAAAAAEAAABQAAAAAAAAAAAA4D8AAAAAAADgPwAAAAAAAOA/AAAAAAAA4D8AAAAAAADgPwAAAAAAAOA/AAAAAAAA4D8AAAAAAADgPwAAAAAAAOA/AAAAAAAA4D8CAAAAjAAAAAAAAAAAAAAAu+DjDP///wgAAAAAAAAAAAAAAAAAAAAAAAAAAAAAAAAAAAAAZAAAAAEAAABAAAAAAAAAAAAAAAAAAAAAAAAAAAAAAAAAAAAAAAAAAAAAAAAAAAAAAAAAAAAAAAAAAAAAAAAAAAAAAAAAAAAAAAAAAAAAAAAAAAAAAAAAAAAAAAAAAAAAFAAAADwAAAAAAAAAAAAAAAAAAAkUAAAAAQAAABQAAAAUAAAAFAAAAAEAAAAAAAAAZAAAAGQAAAAAAAAAZAAAAGQAAAAVAAAAYAAAAAAAAAAAAAAADwAAACADAAAAAAAAAAAAAAEAAACgMgAAVgcAAKr4//8BAAAAf39/AAEAAABkAAAAAAAAABQAAABAHwAAAAAAACYAAAAAAAAAwOD//wAAAAAmAAAAZAAAABYAAABMAAAAAAAAAAAAAAAEAAAAAAAAAAEAAACAgIAKAAAAACgAAAAoAAAAZAAAAGQAAAAAAAAAzMzMAAAAAABQAAAAUAAAAGQAAABkAAAAAAAAABcAAAAUAAAAAAAAAAAAAAD/fwAA/38AAAAAAAAJAAAABAAAAPhkuQcMAAAAEAAAAAAAAAAAAAAAAAAAAAAAAAAeAAAAaAAAAAAAAAAAAAAAAAAAAAAAAAAAAAAAECcAABAnAAAAAAAAAAAAAAAAAAAAAAAAAAAAAAAAAAAAAAAAAAAAABQAAAAAAAAAwMD/AAAAAABkAAAAMgAAAAAAAABkAAAAAAAAAH9/fwAKAAAAHwAAAFQAAAAAAAAFAAAAAQAAAAAAAAAAAAAAAAAAAAAAAAAAAAAAAAAAAAAAAAAAAAAAAn9/fwAAAAADzMzMAMDA/wB/f38AAAAAAAAAAAAAAAAAAAAAAAAAAAAhAAAAGAAAABQAAADQAgAAsAEAAHA1AAC4CAAAEAAAACYAAAAIAAAAAAAAAAAAAAA="/>
               </a:ext>
             </a:extLst>
           </p:cNvSpPr>
@@ -2056,7 +2056,7 @@
             <a:spLocks noGrp="1" noChangeArrowheads="1"/>
             <a:extLst>
               <a:ext uri="smNativeData">
-                <pr:smNativeData xmlns:pr="smNativeData" val="SMDATA_13_IrKAXRMAAAAlAAAAZAAAAA8BAAAAkAAAAEgAAACQAAAASAAAAAAAAAABAAAAAAAAAAEAAABQAAAAAAAAAAAA4D8AAAAAAADgPwAAAAAAAOA/AAAAAAAA4D8AAAAAAADgPwAAAAAAAOA/AAAAAAAA4D8AAAAAAADgPwAAAAAAAOA/AAAAAAAA4D8CAAAAjAAAAAAAAAAAAAAAu+DjDP///wgAAAAAAAAAAAAAAAAAAAAAAAAAAAAAAAAAAAAAZAAAAAEAAABAAAAAAAAAAAAAAAAAAAAAAAAAAAAAAAAAAAAAAAAAAAAAAAAAAAAAAAAAAAAAAAAAAAAAAAAAAAAAAAAAAAAAAAAAAAAAAAAAAAAAAAAAAAAAAAAAAAAAFAAAADwAAAAAAAAAAAAAAAAAAAkUAAAAAQAAABQAAAAUAAAAFAAAAAEAAAAAAAAAZAAAAGQAAAAAAAAAZAAAAGQAAAAVAAAAYAAAAAAAAAAAAAAADwAAACADAAAAAAAAAAAAAAEAAACgMgAAVgcAAKr4//8BAAAAf39/AAEAAABkAAAAAAAAABQAAABAHwAAAAAAACYAAAAAAAAAwOD//wAAAAAmAAAAZAAAABYAAABMAAAAAAAAAAAAAAAEAAAAAAAAAAEAAACAgIAKAAAAACgAAAAoAAAAZAAAAGQAAAAAAAAAzMzMAAAAAABQAAAAUAAAAGQAAABkAAAAAAAAABcAAAAUAAAAAAAAAAAAAAD/fwAA/38AAAAAAAAJAAAABAAAAAAAAAAMAAAAEAAAAAAAAAAAAAAAAAAAAAAAAAAeAAAAaAAAAAAAAAAAAAAAAAAAAAAAAAAAAAAAECcAABAnAAAAAAAAAAAAAAAAAAAAAAAAAAAAAAAAAAAAAAAAAAAAABQAAAAAAAAAwMD/AAAAAABkAAAAMgAAAAAAAABkAAAAAAAAAH9/fwAKAAAAHwAAAFQAAAAAAAAFAAAAAQAAAAAAAAAAAAAAAAAAAAAAAAAAAAAAAAAAAAAAAAAAAAAAAn9/fwAAAAADzMzMAMDA/wB/f38AAAAAAAAAAAAAAAAAAAAAAAAAAAAhAAAAGAAAABQAAADQAgAAGycAAPAPAABZKQAAEAAAACYAAAAIAAAAAAAAAAAAAAA="/>
+                <pr:smNativeData xmlns:pr="smNativeData" val="SMDATA_13_gcGAXRMAAAAlAAAAZAAAAA8BAAAAkAAAAEgAAACQAAAASAAAAAAAAAABAAAAAAAAAAEAAABQAAAAAAAAAAAA4D8AAAAAAADgPwAAAAAAAOA/AAAAAAAA4D8AAAAAAADgPwAAAAAAAOA/AAAAAAAA4D8AAAAAAADgPwAAAAAAAOA/AAAAAAAA4D8CAAAAjAAAAAAAAAAAAAAAu+DjDP///wgAAAAAAAAAAAAAAAAAAAAAAAAAAAAAAAAAAAAAZAAAAAEAAABAAAAAAAAAAAAAAAAAAAAAAAAAAAAAAAAAAAAAAAAAAAAAAAAAAAAAAAAAAAAAAAAAAAAAAAAAAAAAAAAAAAAAAAAAAAAAAAAAAAAAAAAAAAAAAAAAAAAAFAAAADwAAAAAAAAAAAAAAAAAAAkUAAAAAQAAABQAAAAUAAAAFAAAAAEAAAAAAAAAZAAAAGQAAAAAAAAAZAAAAGQAAAAVAAAAYAAAAAAAAAAAAAAADwAAACADAAAAAAAAAAAAAAEAAACgMgAAVgcAAKr4//8BAAAAf39/AAEAAABkAAAAAAAAABQAAABAHwAAAAAAACYAAAAAAAAAwOD//wAAAAAmAAAAZAAAABYAAABMAAAAAAAAAAAAAAAEAAAAAAAAAAEAAACAgIAKAAAAACgAAAAoAAAAZAAAAGQAAAAAAAAAzMzMAAAAAABQAAAAUAAAAGQAAABkAAAAAAAAABcAAAAUAAAAAAAAAAAAAAD/fwAA/38AAAAAAAAJAAAABAAAAAAAAAAMAAAAEAAAAAAAAAAAAAAAAAAAAAAAAAAeAAAAaAAAAAAAAAAAAAAAAAAAAAAAAAAAAAAAECcAABAnAAAAAAAAAAAAAAAAAAAAAAAAAAAAAAAAAAAAAAAAAAAAABQAAAAAAAAAwMD/AAAAAABkAAAAMgAAAAAAAABkAAAAAAAAAH9/fwAKAAAAHwAAAFQAAAAAAAAFAAAAAQAAAAAAAAAAAAAAAAAAAAAAAAAAAAAAAAAAAAAAAAAAAAAAAn9/fwAAAAADzMzMAMDA/wB/f38AAAAAAAAAAAAAAAAAAAAAAAAAAAAhAAAAGAAAABQAAADQAgAAGycAAPAPAABZKQAAEAAAACYAAAAIAAAAAAAAAAAAAAA="/>
               </a:ext>
             </a:extLst>
           </p:cNvSpPr>
@@ -2070,7 +2070,7 @@
           <a:lstStyle/>
           <a:p>
             <a:pPr/>
-            <a:fld id="{1B3CE953-1DF6-691F-B884-EB4AA7CA4EBE}" type="datetime1">
+            <a:fld id="{1BFA0DE2-ACF6-AFFB-B842-5AAE430C4E0F}" type="datetime1">
               <a:t/>
             </a:fld>
           </a:p>
@@ -2083,7 +2083,7 @@
             <a:spLocks noGrp="1" noChangeArrowheads="1"/>
             <a:extLst>
               <a:ext uri="smNativeData">
-                <pr:smNativeData xmlns:pr="smNativeData" val="SMDATA_13_IrKAXRMAAAAlAAAAZAAAAA8BAAAAkAAAAEgAAACQAAAASAAAAAAAAAABAAAAAAAAAAEAAABQAAAAAAAAAAAA4D8AAAAAAADgPwAAAAAAAOA/AAAAAAAA4D8AAAAAAADgPwAAAAAAAOA/AAAAAAAA4D8AAAAAAADgPwAAAAAAAOA/AAAAAAAA4D8CAAAAjAAAAAAAAAAAAAAAu+DjDP///wgAAAAAAAAAAAAAAAAAAAAAAAAAAAAAAAAAAAAAZAAAAAEAAABAAAAAAAAAAAAAAAAAAAAAAAAAAAAAAAAAAAAAAAAAAAAAAAAAAAAAAAAAAAAAAAAAAAAAAAAAAAAAAAAAAAAAAAAAAAAAAAAAAAAAAAAAAAAAAAAAAAAAFAAAADwAAAAAAAAAAAAAAAAAAAkUAAAAAQAAABQAAAAUAAAAFAAAAAEAAAAAAAAAZAAAAGQAAAAAAAAAZAAAAGQAAAAVAAAAYAAAAAAAAAAAAAAADwAAACADAAAAAAAAAAAAAAEAAACgMgAAVgcAAKr4//8BAAAAf39/AAEAAABkAAAAAAAAABQAAABAHwAAAAAAACYAAAAAAAAAwOD//wAAAAAmAAAAZAAAABYAAABMAAAAAAAAAAAAAAAEAAAAAAAAAAEAAACAgIAKAAAAACgAAAAoAAAAZAAAAGQAAAAAAAAAzMzMAAAAAABQAAAAUAAAAGQAAABkAAAAAAAAABcAAAAUAAAAAAAAAAAAAAD/fwAA/38AAAAAAAAJAAAABAAAAHhOuQcMAAAAEAAAAAAAAAAAAAAAAAAAAAAAAAAeAAAAaAAAAAAAAAAAAAAAAAAAAAAAAAAAAAAAECcAABAnAAAAAAAAAAAAAAAAAAAAAAAAAAAAAAAAAAAAAAAAAAAAABQAAAAAAAAAwMD/AAAAAABkAAAAMgAAAAAAAABkAAAAAAAAAH9/fwAKAAAAHwAAAFQAAAAAAAAFAAAAAQAAAAAAAAAAAAAAAAAAAAAAAAAAAAAAAAAAAAAAAAAAAAAAAn9/fwAAAAADzMzMAMDA/wB/f38AAAAAAAAAAAAAAAAAAAAAAAAAAAAhAAAAGAAAABQAAAA4EwAAGycAAAglAABZKQAAEAAAACYAAAAIAAAAAAAAAAAAAAA="/>
+                <pr:smNativeData xmlns:pr="smNativeData" val="SMDATA_13_gcGAXRMAAAAlAAAAZAAAAA8BAAAAkAAAAEgAAACQAAAASAAAAAAAAAABAAAAAAAAAAEAAABQAAAAAAAAAAAA4D8AAAAAAADgPwAAAAAAAOA/AAAAAAAA4D8AAAAAAADgPwAAAAAAAOA/AAAAAAAA4D8AAAAAAADgPwAAAAAAAOA/AAAAAAAA4D8CAAAAjAAAAAAAAAAAAAAAu+DjDP///wgAAAAAAAAAAAAAAAAAAAAAAAAAAAAAAAAAAAAAZAAAAAEAAABAAAAAAAAAAAAAAAAAAAAAAAAAAAAAAAAAAAAAAAAAAAAAAAAAAAAAAAAAAAAAAAAAAAAAAAAAAAAAAAAAAAAAAAAAAAAAAAAAAAAAAAAAAAAAAAAAAAAAFAAAADwAAAAAAAAAAAAAAAAAAAkUAAAAAQAAABQAAAAUAAAAFAAAAAEAAAAAAAAAZAAAAGQAAAAAAAAAZAAAAGQAAAAVAAAAYAAAAAAAAAAAAAAADwAAACADAAAAAAAAAAAAAAEAAACgMgAAVgcAAKr4//8BAAAAf39/AAEAAABkAAAAAAAAABQAAABAHwAAAAAAACYAAAAAAAAAwOD//wAAAAAmAAAAZAAAABYAAABMAAAAAAAAAAAAAAAEAAAAAAAAAAEAAACAgIAKAAAAACgAAAAoAAAAZAAAAGQAAAAAAAAAzMzMAAAAAABQAAAAUAAAAGQAAABkAAAAAAAAABcAAAAUAAAAAAAAAAAAAAD/fwAA/38AAAAAAAAJAAAABAAAAHhOuQcMAAAAEAAAAAAAAAAAAAAAAAAAAAAAAAAeAAAAaAAAAAAAAAAAAAAAAAAAAAAAAAAAAAAAECcAABAnAAAAAAAAAAAAAAAAAAAAAAAAAAAAAAAAAAAAAAAAAAAAABQAAAAAAAAAwMD/AAAAAABkAAAAMgAAAAAAAABkAAAAAAAAAH9/fwAKAAAAHwAAAFQAAAAAAAAFAAAAAQAAAAAAAAAAAAAAAAAAAAAAAAAAAAAAAAAAAAAAAAAAAAAAAn9/fwAAAAADzMzMAMDA/wB/f38AAAAAAAAAAAAAAAAAAAAAAAAAAAAhAAAAGAAAABQAAAA4EwAAGycAAAglAABZKQAAEAAAACYAAAAIAAAAAAAAAAAAAAA="/>
               </a:ext>
             </a:extLst>
           </p:cNvSpPr>
@@ -2107,7 +2107,7 @@
             <a:spLocks noGrp="1" noChangeArrowheads="1"/>
             <a:extLst>
               <a:ext uri="smNativeData">
-                <pr:smNativeData xmlns:pr="smNativeData" val="SMDATA_13_IrKAXRMAAAAlAAAAZAAAAA8BAAAAkAAAAEgAAACQAAAASAAAAAAAAAABAAAAAAAAAAEAAABQAAAAAAAAAAAA4D8AAAAAAADgPwAAAAAAAOA/AAAAAAAA4D8AAAAAAADgPwAAAAAAAOA/AAAAAAAA4D8AAAAAAADgPwAAAAAAAOA/AAAAAAAA4D8CAAAAjAAAAAAAAAAAAAAAu+DjDP///wgAAAAAAAAAAAAAAAAAAAAAAAAAAAAAAAAAAAAAZAAAAAEAAABAAAAAAAAAAAAAAAAAAAAAAAAAAAAAAAAAAAAAAAAAAAAAAAAAAAAAAAAAAAAAAAAAAAAAAAAAAAAAAAAAAAAAAAAAAAAAAAAAAAAAAAAAAAAAAAAAAAAAFAAAADwAAAAAAAAAAAAAAAAAAAkUAAAAAQAAABQAAAAUAAAAFAAAAAEAAAAAAAAAZAAAAGQAAAAAAAAAZAAAAGQAAAAVAAAAYAAAAAAAAAAAAAAADwAAACADAAAAAAAAAAAAAAEAAACgMgAAVgcAAKr4//8BAAAAf39/AAEAAABkAAAAAAAAABQAAABAHwAAAAAAACYAAAAAAAAAwOD//wAAAAAmAAAAZAAAABYAAABMAAAAAAAAAAAAAAAEAAAAAAAAAAEAAACAgIAKAAAAACgAAAAoAAAAZAAAAGQAAAAAAAAAzMzMAAAAAABQAAAAUAAAAGQAAABkAAAAAAAAABcAAAAUAAAAAAAAAAAAAAD/fwAA/38AAAAAAAAJAAAABAAAAAAAAAAMAAAAEAAAAAAAAAAAAAAAAAAAAAAAAAAeAAAAaAAAAAAAAAAAAAAAAAAAAAAAAAAAAAAAECcAABAnAAAAAAAAAAAAAAAAAAAAAAAAAAAAAAAAAAAAAAAAAAAAABQAAAAAAAAAwMD/AAAAAABkAAAAMgAAAAAAAABkAAAAAAAAAH9/fwAKAAAAHwAAAFQAAAAAAAAFAAAAAQAAAAAAAAAAAAAAAAAAAAAAAAAAAAAAAAAAAAAAAAAAAAAAAn9/fwAAAAADzMzMAMDA/wB/f38AAAAAAAAAAAAAAAAAAAAAAAAAAAAhAAAAGAAAABQAAABQKAAAGycAAHA1AABZKQAAEAAAACYAAAAIAAAAAAAAAAAAAAA="/>
+                <pr:smNativeData xmlns:pr="smNativeData" val="SMDATA_13_gcGAXRMAAAAlAAAAZAAAAA8BAAAAkAAAAEgAAACQAAAASAAAAAAAAAABAAAAAAAAAAEAAABQAAAAAAAAAAAA4D8AAAAAAADgPwAAAAAAAOA/AAAAAAAA4D8AAAAAAADgPwAAAAAAAOA/AAAAAAAA4D8AAAAAAADgPwAAAAAAAOA/AAAAAAAA4D8CAAAAjAAAAAAAAAAAAAAAu+DjDP///wgAAAAAAAAAAAAAAAAAAAAAAAAAAAAAAAAAAAAAZAAAAAEAAABAAAAAAAAAAAAAAAAAAAAAAAAAAAAAAAAAAAAAAAAAAAAAAAAAAAAAAAAAAAAAAAAAAAAAAAAAAAAAAAAAAAAAAAAAAAAAAAAAAAAAAAAAAAAAAAAAAAAAFAAAADwAAAAAAAAAAAAAAAAAAAkUAAAAAQAAABQAAAAUAAAAFAAAAAEAAAAAAAAAZAAAAGQAAAAAAAAAZAAAAGQAAAAVAAAAYAAAAAAAAAAAAAAADwAAACADAAAAAAAAAAAAAAEAAACgMgAAVgcAAKr4//8BAAAAf39/AAEAAABkAAAAAAAAABQAAABAHwAAAAAAACYAAAAAAAAAwOD//wAAAAAmAAAAZAAAABYAAABMAAAAAAAAAAAAAAAEAAAAAAAAAAEAAACAgIAKAAAAACgAAAAoAAAAZAAAAGQAAAAAAAAAzMzMAAAAAABQAAAAUAAAAGQAAABkAAAAAAAAABcAAAAUAAAAAAAAAAAAAAD/fwAA/38AAAAAAAAJAAAABAAAAAAAAAAMAAAAEAAAAAAAAAAAAAAAAAAAAAAAAAAeAAAAaAAAAAAAAAAAAAAAAAAAAAAAAAAAAAAAECcAABAnAAAAAAAAAAAAAAAAAAAAAAAAAAAAAAAAAAAAAAAAAAAAABQAAAAAAAAAwMD/AAAAAABkAAAAMgAAAAAAAABkAAAAAAAAAH9/fwAKAAAAHwAAAFQAAAAAAAAFAAAAAQAAAAAAAAAAAAAAAAAAAAAAAAAAAAAAAAAAAAAAAAAAAAAAAn9/fwAAAAADzMzMAMDA/wB/f38AAAAAAAAAAAAAAAAAAAAAAAAAAAAhAAAAGAAAABQAAABQKAAAGycAAHA1AABZKQAAEAAAACYAAAAIAAAAAAAAAAAAAAA="/>
               </a:ext>
             </a:extLst>
           </p:cNvSpPr>
@@ -2121,7 +2121,7 @@
           <a:lstStyle/>
           <a:p>
             <a:pPr/>
-            <a:fld id="{7322937C-329E-7765-D09A-C430DDD42691}" type="slidenum">
+            <a:fld id="{46388EF9-B7AB-6D78-E580-412DC0CE1314}" type="slidenum">
               <a:t/>
             </a:fld>
           </a:p>
@@ -2159,7 +2159,7 @@
             <a:spLocks noGrp="1" noChangeArrowheads="1"/>
             <a:extLst>
               <a:ext uri="smNativeData">
-                <pr:smNativeData xmlns:pr="smNativeData" val="SMDATA_13_IrKAXRMAAAAlAAAAZAAAAA8BAAAAkAAAAEgAAACQAAAASAAAAAAAAAABAAAAAAAAAAEAAABQAAAAAAAAAAAA4D8AAAAAAADgPwAAAAAAAOA/AAAAAAAA4D8AAAAAAADgPwAAAAAAAOA/AAAAAAAA4D8AAAAAAADgPwAAAAAAAOA/AAAAAAAA4D8CAAAAjAAAAAAAAAAAAAAAu+DjDP///wgAAAAAAAAAAAAAAAAAAAAAAAAAAAAAAAAAAAAAZAAAAAEAAABAAAAAAAAAAAAAAAAAAAAAAAAAAAAAAAAAAAAAAAAAAAAAAAAAAAAAAAAAAAAAAAAAAAAAAAAAAAAAAAAAAAAAAAAAAAAAAAAAAAAAAAAAAAAAAAAAAAAAFAAAADwAAAAAAAAAAAAAAAAAAAkUAAAAAQAAABQAAAAUAAAAFAAAAAEAAAAAAAAAZAAAAGQAAAAAAAAAZAAAAGQAAAAVAAAAYAAAAAAAAAAAAAAADwAAACADAAAAAAAAAAAAAAEAAACgMgAAVgcAAKr4//8BAAAAf39/AAEAAABkAAAAAAAAABQAAABAHwAAAAAAACYAAAAAAAAAwOD//wAAAAAmAAAAZAAAABYAAABMAAAAAAAAAAAAAAAEAAAAAAAAAAEAAACAgIAKAAAAACgAAAAoAAAAZAAAAGQAAAAAAAAAzMzMAAAAAABQAAAAUAAAAGQAAABkAAAAAAAAABcAAAAUAAAAAAAAAAAAAAD/fwAA/38AAAAAAAAJAAAABAAAAAYZAAAMAAAAEAAAAAAAAAAAAAAAAAAAAAAAAAAeAAAAaAAAAAAAAAAAAAAAAAAAAAAAAAAAAAAAECcAABAnAAAAAAAAAAAAAAAAAAAAAAAAAAAAAAAAAAAAAAAAAAAAABQAAAAAAAAAwMD/AAAAAABkAAAAMgAAAAAAAABkAAAAAAAAAH9/fwAKAAAAHwAAAFQAAAAAAAAFAAAAAQAAAAAAAAAAAAAAAAAAAAAAAAAAAAAAAAAAAAAAAAAAAAAAAn9/fwAAAAADzMzMAMDA/wB/f38AAAAAAAAAAAAAAAAAAAAAAAAAAAAhAAAAGAAAABQAAADQAgAAGycAAPAPAABZKQAAEAAAACYAAAAIAAAAAAAAAAAAAAA="/>
+                <pr:smNativeData xmlns:pr="smNativeData" val="SMDATA_13_gcGAXRMAAAAlAAAAZAAAAA8BAAAAkAAAAEgAAACQAAAASAAAAAAAAAABAAAAAAAAAAEAAABQAAAAAAAAAAAA4D8AAAAAAADgPwAAAAAAAOA/AAAAAAAA4D8AAAAAAADgPwAAAAAAAOA/AAAAAAAA4D8AAAAAAADgPwAAAAAAAOA/AAAAAAAA4D8CAAAAjAAAAAAAAAAAAAAAu+DjDP///wgAAAAAAAAAAAAAAAAAAAAAAAAAAAAAAAAAAAAAZAAAAAEAAABAAAAAAAAAAAAAAAAAAAAAAAAAAAAAAAAAAAAAAAAAAAAAAAAAAAAAAAAAAAAAAAAAAAAAAAAAAAAAAAAAAAAAAAAAAAAAAAAAAAAAAAAAAAAAAAAAAAAAFAAAADwAAAAAAAAAAAAAAAAAAAkUAAAAAQAAABQAAAAUAAAAFAAAAAEAAAAAAAAAZAAAAGQAAAAAAAAAZAAAAGQAAAAVAAAAYAAAAAAAAAAAAAAADwAAACADAAAAAAAAAAAAAAEAAACgMgAAVgcAAKr4//8BAAAAf39/AAEAAABkAAAAAAAAABQAAABAHwAAAAAAACYAAAAAAAAAwOD//wAAAAAmAAAAZAAAABYAAABMAAAAAAAAAAAAAAAEAAAAAAAAAAEAAACAgIAKAAAAACgAAAAoAAAAZAAAAGQAAAAAAAAAzMzMAAAAAABQAAAAUAAAAGQAAABkAAAAAAAAABcAAAAUAAAAAAAAAAAAAAD/fwAA/38AAAAAAAAJAAAABAAAAAYZAAAMAAAAEAAAAAAAAAAAAAAAAAAAAAAAAAAeAAAAaAAAAAAAAAAAAAAAAAAAAAAAAAAAAAAAECcAABAnAAAAAAAAAAAAAAAAAAAAAAAAAAAAAAAAAAAAAAAAAAAAABQAAAAAAAAAwMD/AAAAAABkAAAAMgAAAAAAAABkAAAAAAAAAH9/fwAKAAAAHwAAAFQAAAAAAAAFAAAAAQAAAAAAAAAAAAAAAAAAAAAAAAAAAAAAAAAAAAAAAAAAAAAAAn9/fwAAAAADzMzMAMDA/wB/f38AAAAAAAAAAAAAAAAAAAAAAAAAAAAhAAAAGAAAABQAAADQAgAAGycAAPAPAABZKQAAEAAAACYAAAAIAAAAAAAAAAAAAAA="/>
               </a:ext>
             </a:extLst>
           </p:cNvSpPr>
@@ -2173,7 +2173,7 @@
           <a:lstStyle/>
           <a:p>
             <a:pPr/>
-            <a:fld id="{66072E7A-348B-52D8-C5BF-C28D60F13397}" type="datetime1">
+            <a:fld id="{2ABC7FC1-8FC7-E989-8904-79DC314A7F2C}" type="datetime1">
               <a:t/>
             </a:fld>
           </a:p>
@@ -2186,7 +2186,7 @@
             <a:spLocks noGrp="1" noChangeArrowheads="1"/>
             <a:extLst>
               <a:ext uri="smNativeData">
-                <pr:smNativeData xmlns:pr="smNativeData" val="SMDATA_13_IrKAXRMAAAAlAAAAZAAAAA8BAAAAkAAAAEgAAACQAAAASAAAAAAAAAABAAAAAAAAAAEAAABQAAAAAAAAAAAA4D8AAAAAAADgPwAAAAAAAOA/AAAAAAAA4D8AAAAAAADgPwAAAAAAAOA/AAAAAAAA4D8AAAAAAADgPwAAAAAAAOA/AAAAAAAA4D8CAAAAjAAAAAAAAAAAAAAAu+DjDP///wgAAAAAAAAAAAAAAAAAAAAAAAAAAAAAAAAAAAAAZAAAAAEAAABAAAAAAAAAAAAAAAAAAAAAAAAAAAAAAAAAAAAAAAAAAAAAAAAAAAAAAAAAAAAAAAAAAAAAAAAAAAAAAAAAAAAAAAAAAAAAAAAAAAAAAAAAAAAAAAAAAAAAFAAAADwAAAAAAAAAAAAAAAAAAAkUAAAAAQAAABQAAAAUAAAAFAAAAAEAAAAAAAAAZAAAAGQAAAAAAAAAZAAAAGQAAAAVAAAAYAAAAAAAAAAAAAAADwAAACADAAAAAAAAAAAAAAEAAACgMgAAVgcAAKr4//8BAAAAf39/AAEAAABkAAAAAAAAABQAAABAHwAAAAAAACYAAAAAAAAAwOD//wAAAAAmAAAAZAAAABYAAABMAAAAAAAAAAAAAAAEAAAAAAAAAAEAAACAgIAKAAAAACgAAAAoAAAAZAAAAGQAAAAAAAAAzMzMAAAAAABQAAAAUAAAAGQAAABkAAAAAAAAABcAAAAUAAAAAAAAAAAAAAD/fwAA/38AAAAAAAAJAAAABAAAAAAAAAAMAAAAEAAAAAAAAAAAAAAAAAAAAAAAAAAeAAAAaAAAAAAAAAAAAAAAAAAAAAAAAAAAAAAAECcAABAnAAAAAAAAAAAAAAAAAAAAAAAAAAAAAAAAAAAAAAAAAAAAABQAAAAAAAAAwMD/AAAAAABkAAAAMgAAAAAAAABkAAAAAAAAAH9/fwAKAAAAHwAAAFQAAAAAAAAFAAAAAQAAAAAAAAAAAAAAAAAAAAAAAAAAAAAAAAAAAAAAAAAAAAAAAn9/fwAAAAADzMzMAMDA/wB/f38AAAAAAAAAAAAAAAAAAAAAAAAAAAAhAAAAGAAAABQAAAA4EwAAGycAAAglAABZKQAAEAAAACYAAAAIAAAAAAAAAAAAAAA="/>
+                <pr:smNativeData xmlns:pr="smNativeData" val="SMDATA_13_gcGAXRMAAAAlAAAAZAAAAA8BAAAAkAAAAEgAAACQAAAASAAAAAAAAAABAAAAAAAAAAEAAABQAAAAAAAAAAAA4D8AAAAAAADgPwAAAAAAAOA/AAAAAAAA4D8AAAAAAADgPwAAAAAAAOA/AAAAAAAA4D8AAAAAAADgPwAAAAAAAOA/AAAAAAAA4D8CAAAAjAAAAAAAAAAAAAAAu+DjDP///wgAAAAAAAAAAAAAAAAAAAAAAAAAAAAAAAAAAAAAZAAAAAEAAABAAAAAAAAAAAAAAAAAAAAAAAAAAAAAAAAAAAAAAAAAAAAAAAAAAAAAAAAAAAAAAAAAAAAAAAAAAAAAAAAAAAAAAAAAAAAAAAAAAAAAAAAAAAAAAAAAAAAAFAAAADwAAAAAAAAAAAAAAAAAAAkUAAAAAQAAABQAAAAUAAAAFAAAAAEAAAAAAAAAZAAAAGQAAAAAAAAAZAAAAGQAAAAVAAAAYAAAAAAAAAAAAAAADwAAACADAAAAAAAAAAAAAAEAAACgMgAAVgcAAKr4//8BAAAAf39/AAEAAABkAAAAAAAAABQAAABAHwAAAAAAACYAAAAAAAAAwOD//wAAAAAmAAAAZAAAABYAAABMAAAAAAAAAAAAAAAEAAAAAAAAAAEAAACAgIAKAAAAACgAAAAoAAAAZAAAAGQAAAAAAAAAzMzMAAAAAABQAAAAUAAAAGQAAABkAAAAAAAAABcAAAAUAAAAAAAAAAAAAAD/fwAA/38AAAAAAAAJAAAABAAAAAAAAAAMAAAAEAAAAAAAAAAAAAAAAAAAAAAAAAAeAAAAaAAAAAAAAAAAAAAAAAAAAAAAAAAAAAAAECcAABAnAAAAAAAAAAAAAAAAAAAAAAAAAAAAAAAAAAAAAAAAAAAAABQAAAAAAAAAwMD/AAAAAABkAAAAMgAAAAAAAABkAAAAAAAAAH9/fwAKAAAAHwAAAFQAAAAAAAAFAAAAAQAAAAAAAAAAAAAAAAAAAAAAAAAAAAAAAAAAAAAAAAAAAAAAAn9/fwAAAAADzMzMAMDA/wB/f38AAAAAAAAAAAAAAAAAAAAAAAAAAAAhAAAAGAAAABQAAAA4EwAAGycAAAglAABZKQAAEAAAACYAAAAIAAAAAAAAAAAAAAA="/>
               </a:ext>
             </a:extLst>
           </p:cNvSpPr>
@@ -2210,7 +2210,7 @@
             <a:spLocks noGrp="1" noChangeArrowheads="1"/>
             <a:extLst>
               <a:ext uri="smNativeData">
-                <pr:smNativeData xmlns:pr="smNativeData" val="SMDATA_13_IrKAXRMAAAAlAAAAZAAAAA8BAAAAkAAAAEgAAACQAAAASAAAAAAAAAABAAAAAAAAAAEAAABQAAAAAAAAAAAA4D8AAAAAAADgPwAAAAAAAOA/AAAAAAAA4D8AAAAAAADgPwAAAAAAAOA/AAAAAAAA4D8AAAAAAADgPwAAAAAAAOA/AAAAAAAA4D8CAAAAjAAAAAAAAAAAAAAAu+DjDP///wgAAAAAAAAAAAAAAAAAAAAAAAAAAAAAAAAAAAAAZAAAAAEAAABAAAAAAAAAAAAAAAAAAAAAAAAAAAAAAAAAAAAAAAAAAAAAAAAAAAAAAAAAAAAAAAAAAAAAAAAAAAAAAAAAAAAAAAAAAAAAAAAAAAAAAAAAAAAAAAAAAAAAFAAAADwAAAAAAAAAAAAAAAAAAAkUAAAAAQAAABQAAAAUAAAAFAAAAAEAAAAAAAAAZAAAAGQAAAAAAAAAZAAAAGQAAAAVAAAAYAAAAAAAAAAAAAAADwAAACADAAAAAAAAAAAAAAEAAACgMgAAVgcAAKr4//8BAAAAf39/AAEAAABkAAAAAAAAABQAAABAHwAAAAAAACYAAAAAAAAAwOD//wAAAAAmAAAAZAAAABYAAABMAAAAAAAAAAAAAAAEAAAAAAAAAAEAAACAgIAKAAAAACgAAAAoAAAAZAAAAGQAAAAAAAAAzMzMAAAAAABQAAAAUAAAAGQAAABkAAAAAAAAABcAAAAUAAAAAAAAAAAAAAD/fwAA/38AAAAAAAAJAAAABAAAAAAAAAAMAAAAEAAAAAAAAAAAAAAAAAAAAAAAAAAeAAAAaAAAAAAAAAAAAAAAAAAAAAAAAAAAAAAAECcAABAnAAAAAAAAAAAAAAAAAAAAAAAAAAAAAAAAAAAAAAAAAAAAABQAAAAAAAAAwMD/AAAAAABkAAAAMgAAAAAAAABkAAAAAAAAAH9/fwAKAAAAHwAAAFQAAAAAAAAFAAAAAQAAAAAAAAAAAAAAAAAAAAAAAAAAAAAAAAAAAAAAAAAAAAAAAn9/fwAAAAADzMzMAMDA/wB/f38AAAAAAAAAAAAAAAAAAAAAAAAAAAAhAAAAGAAAABQAAABQKAAAGycAAHA1AABZKQAAEAAAACYAAAAIAAAAAAAAAAAAAAA="/>
+                <pr:smNativeData xmlns:pr="smNativeData" val="SMDATA_13_gcGAXRMAAAAlAAAAZAAAAA8BAAAAkAAAAEgAAACQAAAASAAAAAAAAAABAAAAAAAAAAEAAABQAAAAAAAAAAAA4D8AAAAAAADgPwAAAAAAAOA/AAAAAAAA4D8AAAAAAADgPwAAAAAAAOA/AAAAAAAA4D8AAAAAAADgPwAAAAAAAOA/AAAAAAAA4D8CAAAAjAAAAAAAAAAAAAAAu+DjDP///wgAAAAAAAAAAAAAAAAAAAAAAAAAAAAAAAAAAAAAZAAAAAEAAABAAAAAAAAAAAAAAAAAAAAAAAAAAAAAAAAAAAAAAAAAAAAAAAAAAAAAAAAAAAAAAAAAAAAAAAAAAAAAAAAAAAAAAAAAAAAAAAAAAAAAAAAAAAAAAAAAAAAAFAAAADwAAAAAAAAAAAAAAAAAAAkUAAAAAQAAABQAAAAUAAAAFAAAAAEAAAAAAAAAZAAAAGQAAAAAAAAAZAAAAGQAAAAVAAAAYAAAAAAAAAAAAAAADwAAACADAAAAAAAAAAAAAAEAAACgMgAAVgcAAKr4//8BAAAAf39/AAEAAABkAAAAAAAAABQAAABAHwAAAAAAACYAAAAAAAAAwOD//wAAAAAmAAAAZAAAABYAAABMAAAAAAAAAAAAAAAEAAAAAAAAAAEAAACAgIAKAAAAACgAAAAoAAAAZAAAAGQAAAAAAAAAzMzMAAAAAABQAAAAUAAAAGQAAABkAAAAAAAAABcAAAAUAAAAAAAAAAAAAAD/fwAA/38AAAAAAAAJAAAABAAAAAAAAAAMAAAAEAAAAAAAAAAAAAAAAAAAAAAAAAAeAAAAaAAAAAAAAAAAAAAAAAAAAAAAAAAAAAAAECcAABAnAAAAAAAAAAAAAAAAAAAAAAAAAAAAAAAAAAAAAAAAAAAAABQAAAAAAAAAwMD/AAAAAABkAAAAMgAAAAAAAABkAAAAAAAAAH9/fwAKAAAAHwAAAFQAAAAAAAAFAAAAAQAAAAAAAAAAAAAAAAAAAAAAAAAAAAAAAAAAAAAAAAAAAAAAAn9/fwAAAAADzMzMAMDA/wB/f38AAAAAAAAAAAAAAAAAAAAAAAAAAAAhAAAAGAAAABQAAABQKAAAGycAAHA1AABZKQAAEAAAACYAAAAIAAAAAAAAAAAAAAA="/>
               </a:ext>
             </a:extLst>
           </p:cNvSpPr>
@@ -2224,7 +2224,7 @@
           <a:lstStyle/>
           <a:p>
             <a:pPr/>
-            <a:fld id="{1D03D935-7BF0-562F-BEBB-8D7A97F548D8}" type="slidenum">
+            <a:fld id="{7E986519-5793-CD93-DD20-A1C62B6E2BF4}" type="slidenum">
               <a:t/>
             </a:fld>
           </a:p>
@@ -2262,7 +2262,7 @@
             <a:spLocks noGrp="1" noChangeArrowheads="1"/>
             <a:extLst>
               <a:ext uri="smNativeData">
-                <pr:smNativeData xmlns:pr="smNativeData" val="SMDATA_13_IrKAXRMAAAAlAAAAZAAAAA8BAAAAkAAAAEgAAACQAAAASAAAAAAAAAACAAAAAAAAAAEAAABQAAAAAAAAAAAA4D8AAAAAAADgPwAAAAAAAOA/AAAAAAAA4D8AAAAAAADgPwAAAAAAAOA/AAAAAAAA4D8AAAAAAADgPwAAAAAAAOA/AAAAAAAA4D8CAAAAjAAAAAAAAAAAAAAAu+DjDP///wgAAAAAAAAAAAAAAAAAAAAAAAAAAAAAAAAAAAAAZAAAAAEAAABAAAAAAAAAAAAAAAAAAAAAAAAAAAAAAAAAAAAAAAAAAAAAAAAAAAAAAAAAAAAAAAAAAAAAAAAAAAAAAAAAAAAAAAAAAAAAAAAAAAAAAAAAAAAAAAAAAAAAFAAAADwAAAAAAAAAAAAAAAAAAAkUAAAAAQAAABQAAAAUAAAAFAAAAAEAAAAAAAAAZAAAAGQAAAAAAAAAZAAAAGQAAAAVAAAAYAAAAAAAAAAAAAAADwAAACADAAAAAAAAAAAAAAEAAACgMgAAVgcAAKr4//8BAAAAf39/AAEAAABkAAAAAAAAABQAAABAHwAAAAAAACYAAAAAAAAAwOD//wAAAAAmAAAAZAAAABYAAABMAAAAAAAAAAAAAAAEAAAAAAAAAAEAAACAgIAKAAAAACgAAAAoAAAAZAAAAGQAAAAAAAAAzMzMAAAAAABQAAAAUAAAAGQAAABkAAAAAAAAABcAAAAUAAAAAAAAAAAAAAD/fwAA/38AAAAAAAAJAAAABAAAAIA3AAAMAAAAEAAAAAAAAAAAAAAAAAAAAAAAAAAeAAAAaAAAAAAAAAAAAAAAAAAAAAAAAAAAAAAAECcAABAnAAAAAAAAAAAAAAAAAAAAAAAAAAAAAAAAAAAAAAAAAAAAABQAAAAAAAAAwMD/AAAAAABkAAAAMgAAAAAAAABkAAAAAAAAAH9/fwAKAAAAHwAAAFQAAAAAAAAFAAAAAQAAAAAAAAAAAAAAAAAAAAAAAAAAAAAAAAAAAAAAAAAAAAAAAn9/fwAAAAADzMzMAMDA/wB/f38AAAAAAAAAAAAAAAAAAAAAAAAAAAAhAAAAGAAAABQAAADQAgAArgEAAFIVAADUCAAAEAAAACYAAAAIAAAAgYAAAAAAAAA="/>
+                <pr:smNativeData xmlns:pr="smNativeData" val="SMDATA_13_gcGAXRMAAAAlAAAAZAAAAA8BAAAAkAAAAEgAAACQAAAASAAAAAAAAAACAAAAAAAAAAEAAABQAAAAAAAAAAAA4D8AAAAAAADgPwAAAAAAAOA/AAAAAAAA4D8AAAAAAADgPwAAAAAAAOA/AAAAAAAA4D8AAAAAAADgPwAAAAAAAOA/AAAAAAAA4D8CAAAAjAAAAAAAAAAAAAAAu+DjDP///wgAAAAAAAAAAAAAAAAAAAAAAAAAAAAAAAAAAAAAZAAAAAEAAABAAAAAAAAAAAAAAAAAAAAAAAAAAAAAAAAAAAAAAAAAAAAAAAAAAAAAAAAAAAAAAAAAAAAAAAAAAAAAAAAAAAAAAAAAAAAAAAAAAAAAAAAAAAAAAAAAAAAAFAAAADwAAAAAAAAAAAAAAAAAAAkUAAAAAQAAABQAAAAUAAAAFAAAAAEAAAAAAAAAZAAAAGQAAAAAAAAAZAAAAGQAAAAVAAAAYAAAAAAAAAAAAAAADwAAACADAAAAAAAAAAAAAAEAAACgMgAAVgcAAKr4//8BAAAAf39/AAEAAABkAAAAAAAAABQAAABAHwAAAAAAACYAAAAAAAAAwOD//wAAAAAmAAAAZAAAABYAAABMAAAAAAAAAAAAAAAEAAAAAAAAAAEAAACAgIAKAAAAACgAAAAoAAAAZAAAAGQAAAAAAAAAzMzMAAAAAABQAAAAUAAAAGQAAABkAAAAAAAAABcAAAAUAAAAAAAAAAAAAAD/fwAA/38AAAAAAAAJAAAABAAAAIA3AAAMAAAAEAAAAAAAAAAAAAAAAAAAAAAAAAAeAAAAaAAAAAAAAAAAAAAAAAAAAAAAAAAAAAAAECcAABAnAAAAAAAAAAAAAAAAAAAAAAAAAAAAAAAAAAAAAAAAAAAAABQAAAAAAAAAwMD/AAAAAABkAAAAMgAAAAAAAABkAAAAAAAAAH9/fwAKAAAAHwAAAFQAAAAAAAAFAAAAAQAAAAAAAAAAAAAAAAAAAAAAAAAAAAAAAAAAAAAAAAAAAAAAAn9/fwAAAAADzMzMAMDA/wB/f38AAAAAAAAAAAAAAAAAAAAAAAAAAAAhAAAAGAAAABQAAADQAgAArgEAAFIVAADUCAAAEAAAACYAAAAIAAAAgYAAAAAAAAA="/>
               </a:ext>
             </a:extLst>
           </p:cNvSpPr>
@@ -2302,7 +2302,7 @@
             <a:spLocks noGrp="1" noChangeArrowheads="1"/>
             <a:extLst>
               <a:ext uri="smNativeData">
-                <pr:smNativeData xmlns:pr="smNativeData" val="SMDATA_13_IrKAXRMAAAAlAAAAZAAAAA8BAAAAkAAAAEgAAACQAAAASAAAAAAAAAAAAAAAAAAAAAEAAABQAAAAAAAAAAAA4D8AAAAAAADgPwAAAAAAAOA/AAAAAAAA4D8AAAAAAADgPwAAAAAAAOA/AAAAAAAA4D8AAAAAAADgPwAAAAAAAOA/AAAAAAAA4D8CAAAAjAAAAAAAAAAAAAAAu+DjDP///wgAAAAAAAAAAAAAAAAAAAAAAAAAAAAAAAAAAAAAZAAAAAEAAABAAAAAAAAAAAAAAAAAAAAAAAAAAAAAAAAAAAAAAAAAAAAAAAAAAAAAAAAAAAAAAAAAAAAAAAAAAAAAAAAAAAAAAAAAAAAAAAAAAAAAAAAAAAAAAAAAAAAAFAAAADwAAAAAAAAAAAAAAAAAAAkUAAAAAQAAABQAAAAUAAAAFAAAAAEAAAAAAAAAZAAAAGQAAAAAAAAAZAAAAGQAAAAVAAAAYAAAAAAAAAAAAAAADwAAACADAAAAAAAAAAAAAAEAAACgMgAAVgcAAKr4//8BAAAAf39/AAEAAABkAAAAAAAAABQAAABAHwAAAAAAACYAAAAAAAAAwOD//wAAAAAmAAAAZAAAABYAAABMAAAAAAAAAAAAAAAEAAAAAAAAAAEAAACAgIAKAAAAACgAAAAoAAAAZAAAAGQAAAAAAAAAzMzMAAAAAABQAAAAUAAAAGQAAABkAAAAAAAAABcAAAAUAAAAAAAAAAAAAAD/fwAA/38AAAAAAAAJAAAABAAAADmR4/8MAAAAEAAAAAAAAAAAAAAAAAAAAAAAAAAeAAAAaAAAAAAAAAAAAAAAAAAAAAAAAAAAAAAAECcAABAnAAAAAAAAAAAAAAAAAAAAAAAAAAAAAAAAAAAAAAAAAAAAABQAAAAAAAAAwMD/AAAAAABkAAAAMgAAAAAAAABkAAAAAAAAAH9/fwAKAAAAHwAAAFQAAAAAAAAFAAAAAQAAAAAAAAAAAAAAAAAAAAAAAAAAAAAAAAAAAAAAAAAAAAAAAn9/fwAAAAADzMzMAMDA/wB/f38AAAAAAAAAAAAAAAAAAAAAAAAAAAAhAAAAGAAAABQAAAD+FQAArgEAAHA1AACwJQAAEAAAACYAAAAIAAAAAYAAAAAAAAA="/>
+                <pr:smNativeData xmlns:pr="smNativeData" val="SMDATA_13_gcGAXRMAAAAlAAAAZAAAAA8BAAAAkAAAAEgAAACQAAAASAAAAAAAAAAAAAAAAAAAAAEAAABQAAAAAAAAAAAA4D8AAAAAAADgPwAAAAAAAOA/AAAAAAAA4D8AAAAAAADgPwAAAAAAAOA/AAAAAAAA4D8AAAAAAADgPwAAAAAAAOA/AAAAAAAA4D8CAAAAjAAAAAAAAAAAAAAAu+DjDP///wgAAAAAAAAAAAAAAAAAAAAAAAAAAAAAAAAAAAAAZAAAAAEAAABAAAAAAAAAAAAAAAAAAAAAAAAAAAAAAAAAAAAAAAAAAAAAAAAAAAAAAAAAAAAAAAAAAAAAAAAAAAAAAAAAAAAAAAAAAAAAAAAAAAAAAAAAAAAAAAAAAAAAFAAAADwAAAAAAAAAAAAAAAAAAAkUAAAAAQAAABQAAAAUAAAAFAAAAAEAAAAAAAAAZAAAAGQAAAAAAAAAZAAAAGQAAAAVAAAAYAAAAAAAAAAAAAAADwAAACADAAAAAAAAAAAAAAEAAACgMgAAVgcAAKr4//8BAAAAf39/AAEAAABkAAAAAAAAABQAAABAHwAAAAAAACYAAAAAAAAAwOD//wAAAAAmAAAAZAAAABYAAABMAAAAAAAAAAAAAAAEAAAAAAAAAAEAAACAgIAKAAAAACgAAAAoAAAAZAAAAGQAAAAAAAAAzMzMAAAAAABQAAAAUAAAAGQAAABkAAAAAAAAABcAAAAUAAAAAAAAAAAAAAD/fwAA/38AAAAAAAAJAAAABAAAADmR4/8MAAAAEAAAAAAAAAAAAAAAAAAAAAAAAAAeAAAAaAAAAAAAAAAAAAAAAAAAAAAAAAAAAAAAECcAABAnAAAAAAAAAAAAAAAAAAAAAAAAAAAAAAAAAAAAAAAAAAAAABQAAAAAAAAAwMD/AAAAAABkAAAAMgAAAAAAAABkAAAAAAAAAH9/fwAKAAAAHwAAAFQAAAAAAAAFAAAAAQAAAAAAAAAAAAAAAAAAAAAAAAAAAAAAAAAAAAAAAAAAAAAAAn9/fwAAAAADzMzMAMDA/wB/f38AAAAAAAAAAAAAAAAAAAAAAAAAAAAhAAAAGAAAABQAAAD+FQAArgEAAHA1AACwJQAAEAAAACYAAAAIAAAAAYAAAAAAAAA="/>
               </a:ext>
             </a:extLst>
           </p:cNvSpPr>
@@ -2386,7 +2386,7 @@
             <a:spLocks noGrp="1" noChangeArrowheads="1"/>
             <a:extLst>
               <a:ext uri="smNativeData">
-                <pr:smNativeData xmlns:pr="smNativeData" val="SMDATA_13_IrKAXRMAAAAlAAAAZAAAAA8BAAAAkAAAAEgAAACQAAAASAAAAAAAAAAAAAAAAAAAAAEAAABQAAAAAAAAAAAA4D8AAAAAAADgPwAAAAAAAOA/AAAAAAAA4D8AAAAAAADgPwAAAAAAAOA/AAAAAAAA4D8AAAAAAADgPwAAAAAAAOA/AAAAAAAA4D8CAAAAjAAAAAAAAAAAAAAAu+DjDP///wgAAAAAAAAAAAAAAAAAAAAAAAAAAAAAAAAAAAAAZAAAAAEAAABAAAAAAAAAAAAAAAAAAAAAAAAAAAAAAAAAAAAAAAAAAAAAAAAAAAAAAAAAAAAAAAAAAAAAAAAAAAAAAAAAAAAAAAAAAAAAAAAAAAAAAAAAAAAAAAAAAAAAFAAAADwAAAAAAAAAAAAAAAAAAAkUAAAAAQAAABQAAAAUAAAAFAAAAAEAAAAAAAAAZAAAAGQAAAAAAAAAZAAAAGQAAAAVAAAAYAAAAAAAAAAAAAAADwAAACADAAAAAAAAAAAAAAEAAACgMgAAVgcAAKr4//8BAAAAf39/AAEAAABkAAAAAAAAABQAAABAHwAAAAAAACYAAAAAAAAAwOD//wAAAAAmAAAAZAAAABYAAABMAAAAAAAAAAAAAAAEAAAAAAAAAAEAAACAgIAKAAAAACgAAAAoAAAAZAAAAGQAAAAAAAAAzMzMAAAAAABQAAAAUAAAAGQAAABkAAAAAAAAABcAAAAUAAAAAAAAAAAAAAD/fwAA/38AAAAAAAAJAAAABAAAAAAAAAgMAAAAEAAAAAAAAAAAAAAAAAAAAAAAAAAeAAAAaAAAAAAAAAAAAAAAAAAAAAAAAAAAAAAAECcAABAnAAAAAAAAAAAAAAAAAAAAAAAAAAAAAAAAAAAAAAAAAAAAABQAAAAAAAAAwMD/AAAAAABkAAAAMgAAAAAAAABkAAAAAAAAAH9/fwAKAAAAHwAAAFQAAAAAAAAFAAAAAQAAAAAAAAAAAAAAAAAAAAAAAAAAAAAAAAAAAAAAAAAAAAAAAn9/fwAAAAADzMzMAMDA/wB/f38AAAAAAAAAAAAAAAAAAAAAAAAAAAAhAAAAGAAAABQAAADQAgAA1AgAAFIVAACwJQAAEAAAACYAAAAIAAAAAYAAAAAAAAA="/>
+                <pr:smNativeData xmlns:pr="smNativeData" val="SMDATA_13_gcGAXRMAAAAlAAAAZAAAAA8BAAAAkAAAAEgAAACQAAAASAAAAAAAAAAAAAAAAAAAAAEAAABQAAAAAAAAAAAA4D8AAAAAAADgPwAAAAAAAOA/AAAAAAAA4D8AAAAAAADgPwAAAAAAAOA/AAAAAAAA4D8AAAAAAADgPwAAAAAAAOA/AAAAAAAA4D8CAAAAjAAAAAAAAAAAAAAAu+DjDP///wgAAAAAAAAAAAAAAAAAAAAAAAAAAAAAAAAAAAAAZAAAAAEAAABAAAAAAAAAAAAAAAAAAAAAAAAAAAAAAAAAAAAAAAAAAAAAAAAAAAAAAAAAAAAAAAAAAAAAAAAAAAAAAAAAAAAAAAAAAAAAAAAAAAAAAAAAAAAAAAAAAAAAFAAAADwAAAAAAAAAAAAAAAAAAAkUAAAAAQAAABQAAAAUAAAAFAAAAAEAAAAAAAAAZAAAAGQAAAAAAAAAZAAAAGQAAAAVAAAAYAAAAAAAAAAAAAAADwAAACADAAAAAAAAAAAAAAEAAACgMgAAVgcAAKr4//8BAAAAf39/AAEAAABkAAAAAAAAABQAAABAHwAAAAAAACYAAAAAAAAAwOD//wAAAAAmAAAAZAAAABYAAABMAAAAAAAAAAAAAAAEAAAAAAAAAAEAAACAgIAKAAAAACgAAAAoAAAAZAAAAGQAAAAAAAAAzMzMAAAAAABQAAAAUAAAAGQAAABkAAAAAAAAABcAAAAUAAAAAAAAAAAAAAD/fwAA/38AAAAAAAAJAAAABAAAAAAAAAgMAAAAEAAAAAAAAAAAAAAAAAAAAAAAAAAeAAAAaAAAAAAAAAAAAAAAAAAAAAAAAAAAAAAAECcAABAnAAAAAAAAAAAAAAAAAAAAAAAAAAAAAAAAAAAAAAAAAAAAABQAAAAAAAAAwMD/AAAAAABkAAAAMgAAAAAAAABkAAAAAAAAAH9/fwAKAAAAHwAAAFQAAAAAAAAFAAAAAQAAAAAAAAAAAAAAAAAAAAAAAAAAAAAAAAAAAAAAAAAAAAAAAn9/fwAAAAADzMzMAMDA/wB/f38AAAAAAAAAAAAAAAAAAAAAAAAAAAAhAAAAGAAAABQAAADQAgAA1AgAAFIVAACwJQAAEAAAACYAAAAIAAAAAYAAAAAAAAA="/>
               </a:ext>
             </a:extLst>
           </p:cNvSpPr>
@@ -2455,7 +2455,7 @@
             <a:spLocks noGrp="1" noChangeArrowheads="1"/>
             <a:extLst>
               <a:ext uri="smNativeData">
-                <pr:smNativeData xmlns:pr="smNativeData" val="SMDATA_13_IrKAXRMAAAAlAAAAZAAAAA8BAAAAkAAAAEgAAACQAAAASAAAAAAAAAABAAAAAAAAAAEAAABQAAAAAAAAAAAA4D8AAAAAAADgPwAAAAAAAOA/AAAAAAAA4D8AAAAAAADgPwAAAAAAAOA/AAAAAAAA4D8AAAAAAADgPwAAAAAAAOA/AAAAAAAA4D8CAAAAjAAAAAAAAAAAAAAAu+DjDP///wgAAAAAAAAAAAAAAAAAAAAAAAAAAAAAAAAAAAAAZAAAAAEAAABAAAAAAAAAAAAAAAAAAAAAAAAAAAAAAAAAAAAAAAAAAAAAAAAAAAAAAAAAAAAAAAAAAAAAAAAAAAAAAAAAAAAAAAAAAAAAAAAAAAAAAAAAAAAAAAAAAAAAFAAAADwAAAAAAAAAAAAAAAAAAAkUAAAAAQAAABQAAAAUAAAAFAAAAAEAAAAAAAAAZAAAAGQAAAAAAAAAZAAAAGQAAAAVAAAAYAAAAAAAAAAAAAAADwAAACADAAAAAAAAAAAAAAEAAACgMgAAVgcAAKr4//8BAAAAf39/AAEAAABkAAAAAAAAABQAAABAHwAAAAAAACYAAAAAAAAAwOD//wAAAAAmAAAAZAAAABYAAABMAAAAAAAAAAAAAAAEAAAAAAAAAAEAAACAgIAKAAAAACgAAAAoAAAAZAAAAGQAAAAAAAAAzMzMAAAAAABQAAAAUAAAAGQAAABkAAAAAAAAABcAAAAUAAAAAAAAAAAAAAD/fwAA/38AAAAAAAAJAAAABAAAAAAAAAAMAAAAEAAAAAAAAAAAAAAAAAAAAAAAAAAeAAAAaAAAAAAAAAAAAAAAAAAAAAAAAAAAAAAAECcAABAnAAAAAAAAAAAAAAAAAAAAAAAAAAAAAAAAAAAAAAAAAAAAABQAAAAAAAAAwMD/AAAAAABkAAAAMgAAAAAAAABkAAAAAAAAAH9/fwAKAAAAHwAAAFQAAAAAAAAFAAAAAQAAAAAAAAAAAAAAAAAAAAAAAAAAAAAAAAAAAAAAAAAAAAAAAn9/fwAAAAADzMzMAMDA/wB/f38AAAAAAAAAAAAAAAAAAAAAAAAAAAAhAAAAGAAAABQAAADQAgAAGycAAPAPAABZKQAAEAAAACYAAAAIAAAAAAAAAAAAAAA="/>
+                <pr:smNativeData xmlns:pr="smNativeData" val="SMDATA_13_gcGAXRMAAAAlAAAAZAAAAA8BAAAAkAAAAEgAAACQAAAASAAAAAAAAAABAAAAAAAAAAEAAABQAAAAAAAAAAAA4D8AAAAAAADgPwAAAAAAAOA/AAAAAAAA4D8AAAAAAADgPwAAAAAAAOA/AAAAAAAA4D8AAAAAAADgPwAAAAAAAOA/AAAAAAAA4D8CAAAAjAAAAAAAAAAAAAAAu+DjDP///wgAAAAAAAAAAAAAAAAAAAAAAAAAAAAAAAAAAAAAZAAAAAEAAABAAAAAAAAAAAAAAAAAAAAAAAAAAAAAAAAAAAAAAAAAAAAAAAAAAAAAAAAAAAAAAAAAAAAAAAAAAAAAAAAAAAAAAAAAAAAAAAAAAAAAAAAAAAAAAAAAAAAAFAAAADwAAAAAAAAAAAAAAAAAAAkUAAAAAQAAABQAAAAUAAAAFAAAAAEAAAAAAAAAZAAAAGQAAAAAAAAAZAAAAGQAAAAVAAAAYAAAAAAAAAAAAAAADwAAACADAAAAAAAAAAAAAAEAAACgMgAAVgcAAKr4//8BAAAAf39/AAEAAABkAAAAAAAAABQAAABAHwAAAAAAACYAAAAAAAAAwOD//wAAAAAmAAAAZAAAABYAAABMAAAAAAAAAAAAAAAEAAAAAAAAAAEAAACAgIAKAAAAACgAAAAoAAAAZAAAAGQAAAAAAAAAzMzMAAAAAABQAAAAUAAAAGQAAABkAAAAAAAAABcAAAAUAAAAAAAAAAAAAAD/fwAA/38AAAAAAAAJAAAABAAAAAAAAAAMAAAAEAAAAAAAAAAAAAAAAAAAAAAAAAAeAAAAaAAAAAAAAAAAAAAAAAAAAAAAAAAAAAAAECcAABAnAAAAAAAAAAAAAAAAAAAAAAAAAAAAAAAAAAAAAAAAAAAAABQAAAAAAAAAwMD/AAAAAABkAAAAMgAAAAAAAABkAAAAAAAAAH9/fwAKAAAAHwAAAFQAAAAAAAAFAAAAAQAAAAAAAAAAAAAAAAAAAAAAAAAAAAAAAAAAAAAAAAAAAAAAAn9/fwAAAAADzMzMAMDA/wB/f38AAAAAAAAAAAAAAAAAAAAAAAAAAAAhAAAAGAAAABQAAADQAgAAGycAAPAPAABZKQAAEAAAACYAAAAIAAAAAAAAAAAAAAA="/>
               </a:ext>
             </a:extLst>
           </p:cNvSpPr>
@@ -2469,7 +2469,7 @@
           <a:lstStyle/>
           <a:p>
             <a:pPr/>
-            <a:fld id="{32D0B578-36DF-8543-9168-C016FB266795}" type="datetime1">
+            <a:fld id="{78C93F73-3D95-9CC9-DB71-CB9C713F2D9E}" type="datetime1">
               <a:t/>
             </a:fld>
           </a:p>
@@ -2482,7 +2482,7 @@
             <a:spLocks noGrp="1" noChangeArrowheads="1"/>
             <a:extLst>
               <a:ext uri="smNativeData">
-                <pr:smNativeData xmlns:pr="smNativeData" val="SMDATA_13_IrKAXRMAAAAlAAAAZAAAAA8BAAAAkAAAAEgAAACQAAAASAAAAAAAAAABAAAAAAAAAAEAAABQAAAAAAAAAAAA4D8AAAAAAADgPwAAAAAAAOA/AAAAAAAA4D8AAAAAAADgPwAAAAAAAOA/AAAAAAAA4D8AAAAAAADgPwAAAAAAAOA/AAAAAAAA4D8CAAAAjAAAAAAAAAAAAAAAu+DjDP///wgAAAAAAAAAAAAAAAAAAAAAAAAAAAAAAAAAAAAAZAAAAAEAAABAAAAAAAAAAAAAAAAAAAAAAAAAAAAAAAAAAAAAAAAAAAAAAAAAAAAAAAAAAAAAAAAAAAAAAAAAAAAAAAAAAAAAAAAAAAAAAAAAAAAAAAAAAAAAAAAAAAAAFAAAADwAAAAAAAAAAAAAAAAAAAkUAAAAAQAAABQAAAAUAAAAFAAAAAEAAAAAAAAAZAAAAGQAAAAAAAAAZAAAAGQAAAAVAAAAYAAAAAAAAAAAAAAADwAAACADAAAAAAAAAAAAAAEAAACgMgAAVgcAAKr4//8BAAAAf39/AAEAAABkAAAAAAAAABQAAABAHwAAAAAAACYAAAAAAAAAwOD//wAAAAAmAAAAZAAAABYAAABMAAAAAAAAAAAAAAAEAAAAAAAAAAEAAACAgIAKAAAAACgAAAAoAAAAZAAAAGQAAAAAAAAAzMzMAAAAAABQAAAAUAAAAGQAAABkAAAAAAAAABcAAAAUAAAAAAAAAAAAAAD/fwAA/38AAAAAAAAJAAAABAAAAPWEAAAMAAAAEAAAAAAAAAAAAAAAAAAAAAAAAAAeAAAAaAAAAAAAAAAAAAAAAAAAAAAAAAAAAAAAECcAABAnAAAAAAAAAAAAAAAAAAAAAAAAAAAAAAAAAAAAAAAAAAAAABQAAAAAAAAAwMD/AAAAAABkAAAAMgAAAAAAAABkAAAAAAAAAH9/fwAKAAAAHwAAAFQAAAAAAAAFAAAAAQAAAAAAAAAAAAAAAAAAAAAAAAAAAAAAAAAAAAAAAAAAAAAAAn9/fwAAAAADzMzMAMDA/wB/f38AAAAAAAAAAAAAAAAAAAAAAAAAAAAhAAAAGAAAABQAAAA4EwAAGycAAAglAABZKQAAEAAAACYAAAAIAAAAAAAAAAAAAAA="/>
+                <pr:smNativeData xmlns:pr="smNativeData" val="SMDATA_13_gcGAXRMAAAAlAAAAZAAAAA8BAAAAkAAAAEgAAACQAAAASAAAAAAAAAABAAAAAAAAAAEAAABQAAAAAAAAAAAA4D8AAAAAAADgPwAAAAAAAOA/AAAAAAAA4D8AAAAAAADgPwAAAAAAAOA/AAAAAAAA4D8AAAAAAADgPwAAAAAAAOA/AAAAAAAA4D8CAAAAjAAAAAAAAAAAAAAAu+DjDP///wgAAAAAAAAAAAAAAAAAAAAAAAAAAAAAAAAAAAAAZAAAAAEAAABAAAAAAAAAAAAAAAAAAAAAAAAAAAAAAAAAAAAAAAAAAAAAAAAAAAAAAAAAAAAAAAAAAAAAAAAAAAAAAAAAAAAAAAAAAAAAAAAAAAAAAAAAAAAAAAAAAAAAFAAAADwAAAAAAAAAAAAAAAAAAAkUAAAAAQAAABQAAAAUAAAAFAAAAAEAAAAAAAAAZAAAAGQAAAAAAAAAZAAAAGQAAAAVAAAAYAAAAAAAAAAAAAAADwAAACADAAAAAAAAAAAAAAEAAACgMgAAVgcAAKr4//8BAAAAf39/AAEAAABkAAAAAAAAABQAAABAHwAAAAAAACYAAAAAAAAAwOD//wAAAAAmAAAAZAAAABYAAABMAAAAAAAAAAAAAAAEAAAAAAAAAAEAAACAgIAKAAAAACgAAAAoAAAAZAAAAGQAAAAAAAAAzMzMAAAAAABQAAAAUAAAAGQAAABkAAAAAAAAABcAAAAUAAAAAAAAAAAAAAD/fwAA/38AAAAAAAAJAAAABAAAAPWEAAAMAAAAEAAAAAAAAAAAAAAAAAAAAAAAAAAeAAAAaAAAAAAAAAAAAAAAAAAAAAAAAAAAAAAAECcAABAnAAAAAAAAAAAAAAAAAAAAAAAAAAAAAAAAAAAAAAAAAAAAABQAAAAAAAAAwMD/AAAAAABkAAAAMgAAAAAAAABkAAAAAAAAAH9/fwAKAAAAHwAAAFQAAAAAAAAFAAAAAQAAAAAAAAAAAAAAAAAAAAAAAAAAAAAAAAAAAAAAAAAAAAAAAn9/fwAAAAADzMzMAMDA/wB/f38AAAAAAAAAAAAAAAAAAAAAAAAAAAAhAAAAGAAAABQAAAA4EwAAGycAAAglAABZKQAAEAAAACYAAAAIAAAAAAAAAAAAAAA="/>
               </a:ext>
             </a:extLst>
           </p:cNvSpPr>
@@ -2506,7 +2506,7 @@
             <a:spLocks noGrp="1" noChangeArrowheads="1"/>
             <a:extLst>
               <a:ext uri="smNativeData">
-                <pr:smNativeData xmlns:pr="smNativeData" val="SMDATA_13_IrKAXRMAAAAlAAAAZAAAAA8BAAAAkAAAAEgAAACQAAAASAAAAAAAAAABAAAAAAAAAAEAAABQAAAAAAAAAAAA4D8AAAAAAADgPwAAAAAAAOA/AAAAAAAA4D8AAAAAAADgPwAAAAAAAOA/AAAAAAAA4D8AAAAAAADgPwAAAAAAAOA/AAAAAAAA4D8CAAAAjAAAAAAAAAAAAAAAu+DjDP///wgAAAAAAAAAAAAAAAAAAAAAAAAAAAAAAAAAAAAAZAAAAAEAAABAAAAAAAAAAAAAAAAAAAAAAAAAAAAAAAAAAAAAAAAAAAAAAAAAAAAAAAAAAAAAAAAAAAAAAAAAAAAAAAAAAAAAAAAAAAAAAAAAAAAAAAAAAAAAAAAAAAAAFAAAADwAAAAAAAAAAAAAAAAAAAkUAAAAAQAAABQAAAAUAAAAFAAAAAEAAAAAAAAAZAAAAGQAAAAAAAAAZAAAAGQAAAAVAAAAYAAAAAAAAAAAAAAADwAAACADAAAAAAAAAAAAAAEAAACgMgAAVgcAAKr4//8BAAAAf39/AAEAAABkAAAAAAAAABQAAABAHwAAAAAAACYAAAAAAAAAwOD//wAAAAAmAAAAZAAAABYAAABMAAAAAAAAAAAAAAAEAAAAAAAAAAEAAACAgIAKAAAAACgAAAAoAAAAZAAAAGQAAAAAAAAAzMzMAAAAAABQAAAAUAAAAGQAAABkAAAAAAAAABcAAAAUAAAAAAAAAAAAAAD/fwAA/38AAAAAAAAJAAAABAAAAAAAAg8MAAAAEAAAAAAAAAAAAAAAAAAAAAAAAAAeAAAAaAAAAAAAAAAAAAAAAAAAAAAAAAAAAAAAECcAABAnAAAAAAAAAAAAAAAAAAAAAAAAAAAAAAAAAAAAAAAAAAAAABQAAAAAAAAAwMD/AAAAAABkAAAAMgAAAAAAAABkAAAAAAAAAH9/fwAKAAAAHwAAAFQAAAAAAAAFAAAAAQAAAAAAAAAAAAAAAAAAAAAAAAAAAAAAAAAAAAAAAAAAAAAAAn9/fwAAAAADzMzMAMDA/wB/f38AAAAAAAAAAAAAAAAAAAAAAAAAAAAhAAAAGAAAABQAAABQKAAAGycAAHA1AABZKQAAEAAAACYAAAAIAAAAAAAAAAAAAAA="/>
+                <pr:smNativeData xmlns:pr="smNativeData" val="SMDATA_13_gcGAXRMAAAAlAAAAZAAAAA8BAAAAkAAAAEgAAACQAAAASAAAAAAAAAABAAAAAAAAAAEAAABQAAAAAAAAAAAA4D8AAAAAAADgPwAAAAAAAOA/AAAAAAAA4D8AAAAAAADgPwAAAAAAAOA/AAAAAAAA4D8AAAAAAADgPwAAAAAAAOA/AAAAAAAA4D8CAAAAjAAAAAAAAAAAAAAAu+DjDP///wgAAAAAAAAAAAAAAAAAAAAAAAAAAAAAAAAAAAAAZAAAAAEAAABAAAAAAAAAAAAAAAAAAAAAAAAAAAAAAAAAAAAAAAAAAAAAAAAAAAAAAAAAAAAAAAAAAAAAAAAAAAAAAAAAAAAAAAAAAAAAAAAAAAAAAAAAAAAAAAAAAAAAFAAAADwAAAAAAAAAAAAAAAAAAAkUAAAAAQAAABQAAAAUAAAAFAAAAAEAAAAAAAAAZAAAAGQAAAAAAAAAZAAAAGQAAAAVAAAAYAAAAAAAAAAAAAAADwAAACADAAAAAAAAAAAAAAEAAACgMgAAVgcAAKr4//8BAAAAf39/AAEAAABkAAAAAAAAABQAAABAHwAAAAAAACYAAAAAAAAAwOD//wAAAAAmAAAAZAAAABYAAABMAAAAAAAAAAAAAAAEAAAAAAAAAAEAAACAgIAKAAAAACgAAAAoAAAAZAAAAGQAAAAAAAAAzMzMAAAAAABQAAAAUAAAAGQAAABkAAAAAAAAABcAAAAUAAAAAAAAAAAAAAD/fwAA/38AAAAAAAAJAAAABAAAAAAAAg8MAAAAEAAAAAAAAAAAAAAAAAAAAAAAAAAeAAAAaAAAAAAAAAAAAAAAAAAAAAAAAAAAAAAAECcAABAnAAAAAAAAAAAAAAAAAAAAAAAAAAAAAAAAAAAAAAAAAAAAABQAAAAAAAAAwMD/AAAAAABkAAAAMgAAAAAAAABkAAAAAAAAAH9/fwAKAAAAHwAAAFQAAAAAAAAFAAAAAQAAAAAAAAAAAAAAAAAAAAAAAAAAAAAAAAAAAAAAAAAAAAAAAn9/fwAAAAADzMzMAMDA/wB/f38AAAAAAAAAAAAAAAAAAAAAAAAAAAAhAAAAGAAAABQAAABQKAAAGycAAHA1AABZKQAAEAAAACYAAAAIAAAAAAAAAAAAAAA="/>
               </a:ext>
             </a:extLst>
           </p:cNvSpPr>
@@ -2520,7 +2520,7 @@
           <a:lstStyle/>
           <a:p>
             <a:pPr/>
-            <a:fld id="{62368986-C88F-637F-C18E-3E2AC7C0376B}" type="slidenum">
+            <a:fld id="{3546650E-40D8-1393-96FE-B6C62BB060E3}" type="slidenum">
               <a:t/>
             </a:fld>
           </a:p>
@@ -2558,7 +2558,7 @@
             <a:spLocks noGrp="1" noChangeArrowheads="1"/>
             <a:extLst>
               <a:ext uri="smNativeData">
-                <pr:smNativeData xmlns:pr="smNativeData" val="SMDATA_13_IrKAXRMAAAAlAAAAZAAAAA8BAAAAkAAAAEgAAACQAAAASAAAAAAAAAACAAAAAAAAAAEAAABQAAAAAAAAAAAA4D8AAAAAAADgPwAAAAAAAOA/AAAAAAAA4D8AAAAAAADgPwAAAAAAAOA/AAAAAAAA4D8AAAAAAADgPwAAAAAAAOA/AAAAAAAA4D8CAAAAjAAAAAAAAAAAAAAAu+DjDP///wgAAAAAAAAAAAAAAAAAAAAAAAAAAAAAAAAAAAAAZAAAAAEAAABAAAAAAAAAAAAAAAAAAAAAAAAAAAAAAAAAAAAAAAAAAAAAAAAAAAAAAAAAAAAAAAAAAAAAAAAAAAAAAAAAAAAAAAAAAAAAAAAAAAAAAAAAAAAAAAAAAAAAFAAAADwAAAAAAAAAAAAAAAAAAAkUAAAAAQAAABQAAAAUAAAAFAAAAAEAAAAAAAAAZAAAAGQAAAAAAAAAZAAAAGQAAAAVAAAAYAAAAAAAAAAAAAAADwAAACADAAAAAAAAAAAAAAEAAACgMgAAVgcAAKr4//8BAAAAf39/AAEAAABkAAAAAAAAABQAAABAHwAAAAAAACYAAAAAAAAAwOD//wAAAAAmAAAAZAAAABYAAABMAAAAAAAAAAAAAAAEAAAAAAAAAAEAAACAgIAKAAAAACgAAAAoAAAAZAAAAGQAAAAAAAAAzMzMAAAAAABQAAAAUAAAAGQAAABkAAAAAAAAABcAAAAUAAAAAAAAAAAAAAD/fwAA/38AAAAAAAAJAAAABAAAAOCnav8MAAAAEAAAAAAAAAAAAAAAAAAAAAAAAAAeAAAAaAAAAAAAAAAAAAAAAAAAAAAAAAAAAAAAECcAABAnAAAAAAAAAAAAAAAAAAAAAAAAAAAAAAAAAAAAAAAAAAAAABQAAAAAAAAAwMD/AAAAAABkAAAAMgAAAAAAAABkAAAAAAAAAH9/fwAKAAAAHwAAAFQAAAAAAAAFAAAAAQAAAAAAAAAAAAAAAAAAAAAAAAAAAAAAAAAAAAAAAAAAAAAAAn9/fwAAAAADzMzMAMDA/wB/f38AAAAAAAAAAAAAAAAAAAAAAAAAAAAhAAAAGAAAABQAAAAGCwAAiB0AAMYsAAAEIQAAEAAAACYAAAAIAAAAgYAAAAAAAAA="/>
+                <pr:smNativeData xmlns:pr="smNativeData" val="SMDATA_13_gcGAXRMAAAAlAAAAZAAAAA8BAAAAkAAAAEgAAACQAAAASAAAAAAAAAACAAAAAAAAAAEAAABQAAAAAAAAAAAA4D8AAAAAAADgPwAAAAAAAOA/AAAAAAAA4D8AAAAAAADgPwAAAAAAAOA/AAAAAAAA4D8AAAAAAADgPwAAAAAAAOA/AAAAAAAA4D8CAAAAjAAAAAAAAAAAAAAAu+DjDP///wgAAAAAAAAAAAAAAAAAAAAAAAAAAAAAAAAAAAAAZAAAAAEAAABAAAAAAAAAAAAAAAAAAAAAAAAAAAAAAAAAAAAAAAAAAAAAAAAAAAAAAAAAAAAAAAAAAAAAAAAAAAAAAAAAAAAAAAAAAAAAAAAAAAAAAAAAAAAAAAAAAAAAFAAAADwAAAAAAAAAAAAAAAAAAAkUAAAAAQAAABQAAAAUAAAAFAAAAAEAAAAAAAAAZAAAAGQAAAAAAAAAZAAAAGQAAAAVAAAAYAAAAAAAAAAAAAAADwAAACADAAAAAAAAAAAAAAEAAACgMgAAVgcAAKr4//8BAAAAf39/AAEAAABkAAAAAAAAABQAAABAHwAAAAAAACYAAAAAAAAAwOD//wAAAAAmAAAAZAAAABYAAABMAAAAAAAAAAAAAAAEAAAAAAAAAAEAAACAgIAKAAAAACgAAAAoAAAAZAAAAGQAAAAAAAAAzMzMAAAAAABQAAAAUAAAAGQAAABkAAAAAAAAABcAAAAUAAAAAAAAAAAAAAD/fwAA/38AAAAAAAAJAAAABAAAAOCnav8MAAAAEAAAAAAAAAAAAAAAAAAAAAAAAAAeAAAAaAAAAAAAAAAAAAAAAAAAAAAAAAAAAAAAECcAABAnAAAAAAAAAAAAAAAAAAAAAAAAAAAAAAAAAAAAAAAAAAAAABQAAAAAAAAAwMD/AAAAAABkAAAAMgAAAAAAAABkAAAAAAAAAH9/fwAKAAAAHwAAAFQAAAAAAAAFAAAAAQAAAAAAAAAAAAAAAAAAAAAAAAAAAAAAAAAAAAAAAAAAAAAAAn9/fwAAAAADzMzMAMDA/wB/f38AAAAAAAAAAAAAAAAAAAAAAAAAAAAhAAAAGAAAABQAAAAGCwAAiB0AAMYsAAAEIQAAEAAAACYAAAAIAAAAgYAAAAAAAAA="/>
               </a:ext>
             </a:extLst>
           </p:cNvSpPr>
@@ -2598,7 +2598,7 @@
             <a:spLocks noGrp="1" noChangeArrowheads="1"/>
             <a:extLst>
               <a:ext uri="smNativeData">
-                <pr:smNativeData xmlns:pr="smNativeData" val="SMDATA_13_IrKAXRMAAAAlAAAAZAAAAA8BAAAAkAAAAEgAAACQAAAASAAAAAAAAAAAAAAAAAAAAAEAAABQAAAAAAAAAAAA4D8AAAAAAADgPwAAAAAAAOA/AAAAAAAA4D8AAAAAAADgPwAAAAAAAOA/AAAAAAAA4D8AAAAAAADgPwAAAAAAAOA/AAAAAAAA4D8CAAAAjAAAAAAAAAAAAAAAu+DjDP///wgAAAAAAAAAAAAAAAAAAAAAAAAAAAAAAAAAAAAAZAAAAAEAAABAAAAAAAAAAAAAAAAAAAAAAAAAAAAAAAAAAAAAAAAAAAAAAAAAAAAAAAAAAAAAAAAAAAAAAAAAAAAAAAAAAAAAAAAAAAAAAAAAAAAAAAAAAAAAAAAAAAAAFAAAADwAAAAAAAAAAAAAAAAAAAkUAAAAAQAAABQAAAAUAAAAFAAAAAEAAAAAAAAAZAAAAGQAAAAAAAAAZAAAAGQAAAAVAAAAYAAAAAAAAAAAAAAADwAAACADAAAAAAAAAAAAAAEAAACgMgAAVgcAAKr4//8BAAAAf39/AAEAAABkAAAAAAAAABQAAABAHwAAAAAAACYAAAAAAAAAwOD//wAAAAAmAAAAZAAAABYAAABMAAAAAAAAAAAAAAAEAAAAAAAAAAEAAACAgIAKAAAAACgAAAAoAAAAZAAAAGQAAAAAAAAAzMzMAAAAAABQAAAAUAAAAGQAAABkAAAAAAAAABcAAAAUAAAAAAAAAAAAAAD/fwAA/38AAAAAAAAJAAAABAAAAAAAAAAMAAAAEAAAAAAAAAAAAAAAAAAAAAAAAAAeAAAAaAAAAAAAAAAAAAAAAAAAAAAAAAAAAAAAECcAABAnAAAAAAAAAAAAAAAAAAAAAAAAAAAAAAAAAAAAAAAAAAAAABQAAAAAAAAAwMD/AAAAAABkAAAAMgAAAAAAAABkAAAAAAAAAH9/fwAKAAAAHwAAAFQAAAAAAAAFAAAAAQAAAAAAAAAAAAAAAAAAAAAAAAAAAAAAAAAAAAAAAAAAAAAAAn9/fwAAAAADzMzMAMDA/wB/f38AAAAAAAAAAAAAAAAAAAAAAAAAAAAhAAAAGAAAABQAAAAGCwAAxgMAAMYsAAAWHQAAEAAAACYAAAAIAAAAAYAAAAAAAAA="/>
+                <pr:smNativeData xmlns:pr="smNativeData" val="SMDATA_13_gcGAXRMAAAAlAAAAZAAAAA8BAAAAkAAAAEgAAACQAAAASAAAAAAAAAAAAAAAAAAAAAEAAABQAAAAAAAAAAAA4D8AAAAAAADgPwAAAAAAAOA/AAAAAAAA4D8AAAAAAADgPwAAAAAAAOA/AAAAAAAA4D8AAAAAAADgPwAAAAAAAOA/AAAAAAAA4D8CAAAAjAAAAAAAAAAAAAAAu+DjDP///wgAAAAAAAAAAAAAAAAAAAAAAAAAAAAAAAAAAAAAZAAAAAEAAABAAAAAAAAAAAAAAAAAAAAAAAAAAAAAAAAAAAAAAAAAAAAAAAAAAAAAAAAAAAAAAAAAAAAAAAAAAAAAAAAAAAAAAAAAAAAAAAAAAAAAAAAAAAAAAAAAAAAAFAAAADwAAAAAAAAAAAAAAAAAAAkUAAAAAQAAABQAAAAUAAAAFAAAAAEAAAAAAAAAZAAAAGQAAAAAAAAAZAAAAGQAAAAVAAAAYAAAAAAAAAAAAAAADwAAACADAAAAAAAAAAAAAAEAAACgMgAAVgcAAKr4//8BAAAAf39/AAEAAABkAAAAAAAAABQAAABAHwAAAAAAACYAAAAAAAAAwOD//wAAAAAmAAAAZAAAABYAAABMAAAAAAAAAAAAAAAEAAAAAAAAAAEAAACAgIAKAAAAACgAAAAoAAAAZAAAAGQAAAAAAAAAzMzMAAAAAABQAAAAUAAAAGQAAABkAAAAAAAAABcAAAAUAAAAAAAAAAAAAAD/fwAA/38AAAAAAAAJAAAABAAAAAAAAAAMAAAAEAAAAAAAAAAAAAAAAAAAAAAAAAAeAAAAaAAAAAAAAAAAAAAAAAAAAAAAAAAAAAAAECcAABAnAAAAAAAAAAAAAAAAAAAAAAAAAAAAAAAAAAAAAAAAAAAAABQAAAAAAAAAwMD/AAAAAABkAAAAMgAAAAAAAABkAAAAAAAAAH9/fwAKAAAAHwAAAFQAAAAAAAAFAAAAAQAAAAAAAAAAAAAAAAAAAAAAAAAAAAAAAAAAAAAAAAAAAAAAAn9/fwAAAAADzMzMAMDA/wB/f38AAAAAAAAAAAAAAAAAAAAAAAAAAAAhAAAAGAAAABQAAAAGCwAAxgMAAMYsAAAWHQAAEAAAACYAAAAIAAAAAYAAAAAAAAA="/>
               </a:ext>
             </a:extLst>
           </p:cNvSpPr>
@@ -2691,7 +2691,7 @@
             <a:spLocks noGrp="1" noChangeArrowheads="1"/>
             <a:extLst>
               <a:ext uri="smNativeData">
-                <pr:smNativeData xmlns:pr="smNativeData" val="SMDATA_13_IrKAXRMAAAAlAAAAZAAAAA8BAAAAkAAAAEgAAACQAAAASAAAAAAAAAAAAAAAAAAAAAEAAABQAAAAAAAAAAAA4D8AAAAAAADgPwAAAAAAAOA/AAAAAAAA4D8AAAAAAADgPwAAAAAAAOA/AAAAAAAA4D8AAAAAAADgPwAAAAAAAOA/AAAAAAAA4D8CAAAAjAAAAAAAAAAAAAAAu+DjDP///wgAAAAAAAAAAAAAAAAAAAAAAAAAAAAAAAAAAAAAZAAAAAEAAABAAAAAAAAAAAAAAAAAAAAAAAAAAAAAAAAAAAAAAAAAAAAAAAAAAAAAAAAAAAAAAAAAAAAAAAAAAAAAAAAAAAAAAAAAAAAAAAAAAAAAAAAAAAAAAAAAAAAAFAAAADwAAAAAAAAAAAAAAAAAAAkUAAAAAQAAABQAAAAUAAAAFAAAAAEAAAAAAAAAZAAAAGQAAAAAAAAAZAAAAGQAAAAVAAAAYAAAAAAAAAAAAAAADwAAACADAAAAAAAAAAAAAAEAAACgMgAAVgcAAKr4//8BAAAAf39/AAEAAABkAAAAAAAAABQAAABAHwAAAAAAACYAAAAAAAAAwOD//wAAAAAmAAAAZAAAABYAAABMAAAAAAAAAAAAAAAEAAAAAAAAAAEAAACAgIAKAAAAACgAAAAoAAAAZAAAAGQAAAAAAAAAzMzMAAAAAABQAAAAUAAAAGQAAABkAAAAAAAAABcAAAAUAAAAAAAAAAAAAAD/fwAA/38AAAAAAAAJAAAABAAAAAAAAAAMAAAAEAAAAAAAAAAAAAAAAAAAAAAAAAAeAAAAaAAAAAAAAAAAAAAAAAAAAAAAAAAAAAAAECcAABAnAAAAAAAAAAAAAAAAAAAAAAAAAAAAAAAAAAAAAAAAAAAAABQAAAAAAAAAwMD/AAAAAABkAAAAMgAAAAAAAABkAAAAAAAAAH9/fwAKAAAAHwAAAFQAAAAAAAAFAAAAAQAAAAAAAAAAAAAAAAAAAAAAAAAAAAAAAAAAAAAAAAAAAAAAAn9/fwAAAAADzMzMAMDA/wB/f38AAAAAAAAAAAAAAAAAAAAAAAAAAAAhAAAAGAAAABQAAAAGCwAABCEAAMYsAAD4JQAAEAAAACYAAAAIAAAAAYAAAAAAAAA="/>
+                <pr:smNativeData xmlns:pr="smNativeData" val="SMDATA_13_gcGAXRMAAAAlAAAAZAAAAA8BAAAAkAAAAEgAAACQAAAASAAAAAAAAAAAAAAAAAAAAAEAAABQAAAAAAAAAAAA4D8AAAAAAADgPwAAAAAAAOA/AAAAAAAA4D8AAAAAAADgPwAAAAAAAOA/AAAAAAAA4D8AAAAAAADgPwAAAAAAAOA/AAAAAAAA4D8CAAAAjAAAAAAAAAAAAAAAu+DjDP///wgAAAAAAAAAAAAAAAAAAAAAAAAAAAAAAAAAAAAAZAAAAAEAAABAAAAAAAAAAAAAAAAAAAAAAAAAAAAAAAAAAAAAAAAAAAAAAAAAAAAAAAAAAAAAAAAAAAAAAAAAAAAAAAAAAAAAAAAAAAAAAAAAAAAAAAAAAAAAAAAAAAAAFAAAADwAAAAAAAAAAAAAAAAAAAkUAAAAAQAAABQAAAAUAAAAFAAAAAEAAAAAAAAAZAAAAGQAAAAAAAAAZAAAAGQAAAAVAAAAYAAAAAAAAAAAAAAADwAAACADAAAAAAAAAAAAAAEAAACgMgAAVgcAAKr4//8BAAAAf39/AAEAAABkAAAAAAAAABQAAABAHwAAAAAAACYAAAAAAAAAwOD//wAAAAAmAAAAZAAAABYAAABMAAAAAAAAAAAAAAAEAAAAAAAAAAEAAACAgIAKAAAAACgAAAAoAAAAZAAAAGQAAAAAAAAAzMzMAAAAAABQAAAAUAAAAGQAAABkAAAAAAAAABcAAAAUAAAAAAAAAAAAAAD/fwAA/38AAAAAAAAJAAAABAAAAAAAAAAMAAAAEAAAAAAAAAAAAAAAAAAAAAAAAAAeAAAAaAAAAAAAAAAAAAAAAAAAAAAAAAAAAAAAECcAABAnAAAAAAAAAAAAAAAAAAAAAAAAAAAAAAAAAAAAAAAAAAAAABQAAAAAAAAAwMD/AAAAAABkAAAAMgAAAAAAAABkAAAAAAAAAH9/fwAKAAAAHwAAAFQAAAAAAAAFAAAAAQAAAAAAAAAAAAAAAAAAAAAAAAAAAAAAAAAAAAAAAAAAAAAAAn9/fwAAAAADzMzMAMDA/wB/f38AAAAAAAAAAAAAAAAAAAAAAAAAAAAhAAAAGAAAABQAAAAGCwAABCEAAMYsAAD4JQAAEAAAACYAAAAIAAAAAYAAAAAAAAA="/>
               </a:ext>
             </a:extLst>
           </p:cNvSpPr>
@@ -2760,7 +2760,7 @@
             <a:spLocks noGrp="1" noChangeArrowheads="1"/>
             <a:extLst>
               <a:ext uri="smNativeData">
-                <pr:smNativeData xmlns:pr="smNativeData" val="SMDATA_13_IrKAXRMAAAAlAAAAZAAAAA8BAAAAkAAAAEgAAACQAAAASAAAAAAAAAABAAAAAAAAAAEAAABQAAAAAAAAAAAA4D8AAAAAAADgPwAAAAAAAOA/AAAAAAAA4D8AAAAAAADgPwAAAAAAAOA/AAAAAAAA4D8AAAAAAADgPwAAAAAAAOA/AAAAAAAA4D8CAAAAjAAAAAAAAAAAAAAAu+DjDP///wgAAAAAAAAAAAAAAAAAAAAAAAAAAAAAAAAAAAAAZAAAAAEAAABAAAAAAAAAAAAAAAAAAAAAAAAAAAAAAAAAAAAAAAAAAAAAAAAAAAAAAAAAAAAAAAAAAAAAAAAAAAAAAAAAAAAAAAAAAAAAAAAAAAAAAAAAAAAAAAAAAAAAFAAAADwAAAAAAAAAAAAAAAAAAAkUAAAAAQAAABQAAAAUAAAAFAAAAAEAAAAAAAAAZAAAAGQAAAAAAAAAZAAAAGQAAAAVAAAAYAAAAAAAAAAAAAAADwAAACADAAAAAAAAAAAAAAEAAACgMgAAVgcAAKr4//8BAAAAf39/AAEAAABkAAAAAAAAABQAAABAHwAAAAAAACYAAAAAAAAAwOD//wAAAAAmAAAAZAAAABYAAABMAAAAAAAAAAAAAAAEAAAAAAAAAAEAAACAgIAKAAAAACgAAAAoAAAAZAAAAGQAAAAAAAAAzMzMAAAAAABQAAAAUAAAAGQAAABkAAAAAAAAABcAAAAUAAAAAAAAAAAAAAD/fwAA/38AAAAAAAAJAAAABAAAAAAAAAAMAAAAEAAAAAAAAAAAAAAAAAAAAAAAAAAeAAAAaAAAAAAAAAAAAAAAAAAAAAAAAAAAAAAAECcAABAnAAAAAAAAAAAAAAAAAAAAAAAAAAAAAAAAAAAAAAAAAAAAABQAAAAAAAAAwMD/AAAAAABkAAAAMgAAAAAAAABkAAAAAAAAAH9/fwAKAAAAHwAAAFQAAAAAAAAFAAAAAQAAAAAAAAAAAAAAAAAAAAAAAAAAAAAAAAAAAAAAAAAAAAAAAn9/fwAAAAADzMzMAMDA/wB/f38AAAAAAAAAAAAAAAAAAAAAAAAAAAAhAAAAGAAAABQAAADQAgAAGycAAPAPAABZKQAAEAAAACYAAAAIAAAAAAAAAAAAAAA="/>
+                <pr:smNativeData xmlns:pr="smNativeData" val="SMDATA_13_gcGAXRMAAAAlAAAAZAAAAA8BAAAAkAAAAEgAAACQAAAASAAAAAAAAAABAAAAAAAAAAEAAABQAAAAAAAAAAAA4D8AAAAAAADgPwAAAAAAAOA/AAAAAAAA4D8AAAAAAADgPwAAAAAAAOA/AAAAAAAA4D8AAAAAAADgPwAAAAAAAOA/AAAAAAAA4D8CAAAAjAAAAAAAAAAAAAAAu+DjDP///wgAAAAAAAAAAAAAAAAAAAAAAAAAAAAAAAAAAAAAZAAAAAEAAABAAAAAAAAAAAAAAAAAAAAAAAAAAAAAAAAAAAAAAAAAAAAAAAAAAAAAAAAAAAAAAAAAAAAAAAAAAAAAAAAAAAAAAAAAAAAAAAAAAAAAAAAAAAAAAAAAAAAAFAAAADwAAAAAAAAAAAAAAAAAAAkUAAAAAQAAABQAAAAUAAAAFAAAAAEAAAAAAAAAZAAAAGQAAAAAAAAAZAAAAGQAAAAVAAAAYAAAAAAAAAAAAAAADwAAACADAAAAAAAAAAAAAAEAAACgMgAAVgcAAKr4//8BAAAAf39/AAEAAABkAAAAAAAAABQAAABAHwAAAAAAACYAAAAAAAAAwOD//wAAAAAmAAAAZAAAABYAAABMAAAAAAAAAAAAAAAEAAAAAAAAAAEAAACAgIAKAAAAACgAAAAoAAAAZAAAAGQAAAAAAAAAzMzMAAAAAABQAAAAUAAAAGQAAABkAAAAAAAAABcAAAAUAAAAAAAAAAAAAAD/fwAA/38AAAAAAAAJAAAABAAAAAAAAAAMAAAAEAAAAAAAAAAAAAAAAAAAAAAAAAAeAAAAaAAAAAAAAAAAAAAAAAAAAAAAAAAAAAAAECcAABAnAAAAAAAAAAAAAAAAAAAAAAAAAAAAAAAAAAAAAAAAAAAAABQAAAAAAAAAwMD/AAAAAABkAAAAMgAAAAAAAABkAAAAAAAAAH9/fwAKAAAAHwAAAFQAAAAAAAAFAAAAAQAAAAAAAAAAAAAAAAAAAAAAAAAAAAAAAAAAAAAAAAAAAAAAAn9/fwAAAAADzMzMAMDA/wB/f38AAAAAAAAAAAAAAAAAAAAAAAAAAAAhAAAAGAAAABQAAADQAgAAGycAAPAPAABZKQAAEAAAACYAAAAIAAAAAAAAAAAAAAA="/>
               </a:ext>
             </a:extLst>
           </p:cNvSpPr>
@@ -2774,7 +2774,7 @@
           <a:lstStyle/>
           <a:p>
             <a:pPr/>
-            <a:fld id="{0D0183F7-B9E0-5475-AEB9-4F20CDF7581A}" type="datetime1">
+            <a:fld id="{34B2264F-01D9-E7D0-970A-F785684461A2}" type="datetime1">
               <a:t/>
             </a:fld>
           </a:p>
@@ -2787,7 +2787,7 @@
             <a:spLocks noGrp="1" noChangeArrowheads="1"/>
             <a:extLst>
               <a:ext uri="smNativeData">
-                <pr:smNativeData xmlns:pr="smNativeData" val="SMDATA_13_IrKAXRMAAAAlAAAAZAAAAA8BAAAAkAAAAEgAAACQAAAASAAAAAAAAAABAAAAAAAAAAEAAABQAAAAAAAAAAAA4D8AAAAAAADgPwAAAAAAAOA/AAAAAAAA4D8AAAAAAADgPwAAAAAAAOA/AAAAAAAA4D8AAAAAAADgPwAAAAAAAOA/AAAAAAAA4D8CAAAAjAAAAAAAAAAAAAAAu+DjDP///wgAAAAAAAAAAAAAAAAAAAAAAAAAAAAAAAAAAAAAZAAAAAEAAABAAAAAAAAAAAAAAAAAAAAAAAAAAAAAAAAAAAAAAAAAAAAAAAAAAAAAAAAAAAAAAAAAAAAAAAAAAAAAAAAAAAAAAAAAAAAAAAAAAAAAAAAAAAAAAAAAAAAAFAAAADwAAAAAAAAAAAAAAAAAAAkUAAAAAQAAABQAAAAUAAAAFAAAAAEAAAAAAAAAZAAAAGQAAAAAAAAAZAAAAGQAAAAVAAAAYAAAAAAAAAAAAAAADwAAACADAAAAAAAAAAAAAAEAAACgMgAAVgcAAKr4//8BAAAAf39/AAEAAABkAAAAAAAAABQAAABAHwAAAAAAACYAAAAAAAAAwOD//wAAAAAmAAAAZAAAABYAAABMAAAAAAAAAAAAAAAEAAAAAAAAAAEAAACAgIAKAAAAACgAAAAoAAAAZAAAAGQAAAAAAAAAzMzMAAAAAABQAAAAUAAAAGQAAABkAAAAAAAAABcAAAAUAAAAAAAAAAAAAAD/fwAA/38AAAAAAAAJAAAABAAAAAAAAAAMAAAAEAAAAAAAAAAAAAAAAAAAAAAAAAAeAAAAaAAAAAAAAAAAAAAAAAAAAAAAAAAAAAAAECcAABAnAAAAAAAAAAAAAAAAAAAAAAAAAAAAAAAAAAAAAAAAAAAAABQAAAAAAAAAwMD/AAAAAABkAAAAMgAAAAAAAABkAAAAAAAAAH9/fwAKAAAAHwAAAFQAAAAAAAAFAAAAAQAAAAAAAAAAAAAAAAAAAAAAAAAAAAAAAAAAAAAAAAAAAAAAAn9/fwAAAAADzMzMAMDA/wB/f38AAAAAAAAAAAAAAAAAAAAAAAAAAAAhAAAAGAAAABQAAAA4EwAAGycAAAglAABZKQAAEAAAACYAAAAIAAAAAAAAAAAAAAA="/>
+                <pr:smNativeData xmlns:pr="smNativeData" val="SMDATA_13_gcGAXRMAAAAlAAAAZAAAAA8BAAAAkAAAAEgAAACQAAAASAAAAAAAAAABAAAAAAAAAAEAAABQAAAAAAAAAAAA4D8AAAAAAADgPwAAAAAAAOA/AAAAAAAA4D8AAAAAAADgPwAAAAAAAOA/AAAAAAAA4D8AAAAAAADgPwAAAAAAAOA/AAAAAAAA4D8CAAAAjAAAAAAAAAAAAAAAu+DjDP///wgAAAAAAAAAAAAAAAAAAAAAAAAAAAAAAAAAAAAAZAAAAAEAAABAAAAAAAAAAAAAAAAAAAAAAAAAAAAAAAAAAAAAAAAAAAAAAAAAAAAAAAAAAAAAAAAAAAAAAAAAAAAAAAAAAAAAAAAAAAAAAAAAAAAAAAAAAAAAAAAAAAAAFAAAADwAAAAAAAAAAAAAAAAAAAkUAAAAAQAAABQAAAAUAAAAFAAAAAEAAAAAAAAAZAAAAGQAAAAAAAAAZAAAAGQAAAAVAAAAYAAAAAAAAAAAAAAADwAAACADAAAAAAAAAAAAAAEAAACgMgAAVgcAAKr4//8BAAAAf39/AAEAAABkAAAAAAAAABQAAABAHwAAAAAAACYAAAAAAAAAwOD//wAAAAAmAAAAZAAAABYAAABMAAAAAAAAAAAAAAAEAAAAAAAAAAEAAACAgIAKAAAAACgAAAAoAAAAZAAAAGQAAAAAAAAAzMzMAAAAAABQAAAAUAAAAGQAAABkAAAAAAAAABcAAAAUAAAAAAAAAAAAAAD/fwAA/38AAAAAAAAJAAAABAAAAAAAAAAMAAAAEAAAAAAAAAAAAAAAAAAAAAAAAAAeAAAAaAAAAAAAAAAAAAAAAAAAAAAAAAAAAAAAECcAABAnAAAAAAAAAAAAAAAAAAAAAAAAAAAAAAAAAAAAAAAAAAAAABQAAAAAAAAAwMD/AAAAAABkAAAAMgAAAAAAAABkAAAAAAAAAH9/fwAKAAAAHwAAAFQAAAAAAAAFAAAAAQAAAAAAAAAAAAAAAAAAAAAAAAAAAAAAAAAAAAAAAAAAAAAAAn9/fwAAAAADzMzMAMDA/wB/f38AAAAAAAAAAAAAAAAAAAAAAAAAAAAhAAAAGAAAABQAAAA4EwAAGycAAAglAABZKQAAEAAAACYAAAAIAAAAAAAAAAAAAAA="/>
               </a:ext>
             </a:extLst>
           </p:cNvSpPr>
@@ -2811,7 +2811,7 @@
             <a:spLocks noGrp="1" noChangeArrowheads="1"/>
             <a:extLst>
               <a:ext uri="smNativeData">
-                <pr:smNativeData xmlns:pr="smNativeData" val="SMDATA_13_IrKAXRMAAAAlAAAAZAAAAA8BAAAAkAAAAEgAAACQAAAASAAAAAAAAAABAAAAAAAAAAEAAABQAAAAAAAAAAAA4D8AAAAAAADgPwAAAAAAAOA/AAAAAAAA4D8AAAAAAADgPwAAAAAAAOA/AAAAAAAA4D8AAAAAAADgPwAAAAAAAOA/AAAAAAAA4D8CAAAAjAAAAAAAAAAAAAAAu+DjDP///wgAAAAAAAAAAAAAAAAAAAAAAAAAAAAAAAAAAAAAZAAAAAEAAABAAAAAAAAAAAAAAAAAAAAAAAAAAAAAAAAAAAAAAAAAAAAAAAAAAAAAAAAAAAAAAAAAAAAAAAAAAAAAAAAAAAAAAAAAAAAAAAAAAAAAAAAAAAAAAAAAAAAAFAAAADwAAAAAAAAAAAAAAAAAAAkUAAAAAQAAABQAAAAUAAAAFAAAAAEAAAAAAAAAZAAAAGQAAAAAAAAAZAAAAGQAAAAVAAAAYAAAAAAAAAAAAAAADwAAACADAAAAAAAAAAAAAAEAAACgMgAAVgcAAKr4//8BAAAAf39/AAEAAABkAAAAAAAAABQAAABAHwAAAAAAACYAAAAAAAAAwOD//wAAAAAmAAAAZAAAABYAAABMAAAAAAAAAAAAAAAEAAAAAAAAAAEAAACAgIAKAAAAACgAAAAoAAAAZAAAAGQAAAAAAAAAzMzMAAAAAABQAAAAUAAAAGQAAABkAAAAAAAAABcAAAAUAAAAAAAAAAAAAAD/fwAA/38AAAAAAAAJAAAABAAAAAAAAAAMAAAAEAAAAAAAAAAAAAAAAAAAAAAAAAAeAAAAaAAAAAAAAAAAAAAAAAAAAAAAAAAAAAAAECcAABAnAAAAAAAAAAAAAAAAAAAAAAAAAAAAAAAAAAAAAAAAAAAAABQAAAAAAAAAwMD/AAAAAABkAAAAMgAAAAAAAABkAAAAAAAAAH9/fwAKAAAAHwAAAFQAAAAAAAAFAAAAAQAAAAAAAAAAAAAAAAAAAAAAAAAAAAAAAAAAAAAAAAAAAAAAAn9/fwAAAAADzMzMAMDA/wB/f38AAAAAAAAAAAAAAAAAAAAAAAAAAAAhAAAAGAAAABQAAABQKAAAGycAAHA1AABZKQAAEAAAACYAAAAIAAAAAAAAAAAAAAA="/>
+                <pr:smNativeData xmlns:pr="smNativeData" val="SMDATA_13_gcGAXRMAAAAlAAAAZAAAAA8BAAAAkAAAAEgAAACQAAAASAAAAAAAAAABAAAAAAAAAAEAAABQAAAAAAAAAAAA4D8AAAAAAADgPwAAAAAAAOA/AAAAAAAA4D8AAAAAAADgPwAAAAAAAOA/AAAAAAAA4D8AAAAAAADgPwAAAAAAAOA/AAAAAAAA4D8CAAAAjAAAAAAAAAAAAAAAu+DjDP///wgAAAAAAAAAAAAAAAAAAAAAAAAAAAAAAAAAAAAAZAAAAAEAAABAAAAAAAAAAAAAAAAAAAAAAAAAAAAAAAAAAAAAAAAAAAAAAAAAAAAAAAAAAAAAAAAAAAAAAAAAAAAAAAAAAAAAAAAAAAAAAAAAAAAAAAAAAAAAAAAAAAAAFAAAADwAAAAAAAAAAAAAAAAAAAkUAAAAAQAAABQAAAAUAAAAFAAAAAEAAAAAAAAAZAAAAGQAAAAAAAAAZAAAAGQAAAAVAAAAYAAAAAAAAAAAAAAADwAAACADAAAAAAAAAAAAAAEAAACgMgAAVgcAAKr4//8BAAAAf39/AAEAAABkAAAAAAAAABQAAABAHwAAAAAAACYAAAAAAAAAwOD//wAAAAAmAAAAZAAAABYAAABMAAAAAAAAAAAAAAAEAAAAAAAAAAEAAACAgIAKAAAAACgAAAAoAAAAZAAAAGQAAAAAAAAAzMzMAAAAAABQAAAAUAAAAGQAAABkAAAAAAAAABcAAAAUAAAAAAAAAAAAAAD/fwAA/38AAAAAAAAJAAAABAAAAAAAAAAMAAAAEAAAAAAAAAAAAAAAAAAAAAAAAAAeAAAAaAAAAAAAAAAAAAAAAAAAAAAAAAAAAAAAECcAABAnAAAAAAAAAAAAAAAAAAAAAAAAAAAAAAAAAAAAAAAAAAAAABQAAAAAAAAAwMD/AAAAAABkAAAAMgAAAAAAAABkAAAAAAAAAH9/fwAKAAAAHwAAAFQAAAAAAAAFAAAAAQAAAAAAAAAAAAAAAAAAAAAAAAAAAAAAAAAAAAAAAAAAAAAAAn9/fwAAAAADzMzMAMDA/wB/f38AAAAAAAAAAAAAAAAAAAAAAAAAAAAhAAAAGAAAABQAAABQKAAAGycAAHA1AABZKQAAEAAAACYAAAAIAAAAAAAAAAAAAAA="/>
               </a:ext>
             </a:extLst>
           </p:cNvSpPr>
@@ -2825,7 +2825,7 @@
           <a:lstStyle/>
           <a:p>
             <a:pPr/>
-            <a:fld id="{0B0A29F9-B7E6-5FDF-A8B2-418A67FC5E14}" type="slidenum">
+            <a:fld id="{73DCE5A7-E99E-8913-D064-1F46AB2A264A}" type="slidenum">
               <a:t/>
             </a:fld>
           </a:p>
@@ -2871,7 +2871,7 @@
             <a:spLocks noGrp="1" noChangeArrowheads="1"/>
             <a:extLst>
               <a:ext uri="smNativeData">
-                <pr:smNativeData xmlns:pr="smNativeData" val="SMDATA_13_IrKAXRMAAAAlAAAAZAAAAA8BAAAAkAAAAEgAAACQAAAASAAAAAAAAAABAAAAAAAAAAEAAABQAAAAAAAAAAAA4D8AAAAAAADgPwAAAAAAAOA/AAAAAAAA4D8AAAAAAADgPwAAAAAAAOA/AAAAAAAA4D8AAAAAAADgPwAAAAAAAOA/AAAAAAAA4D8CAAAAjAAAAAAAAAAAAAAAu+DjDP///wgAAAAAAAAAAAAAAAAAAAAAAAAAAAAAAAAAAAAAZAAAAAEAAABAAAAAAAAAAAAAAAAAAAAAAAAAAAAAAAAAAAAAAAAAAAAAAAAAAAAAAAAAAAAAAAAAAAAAAAAAAAAAAAAAAAAAAAAAAAAAAAAAAAAAAAAAAAAAAAAAAAAAFAAAADwAAAAAAAAAAAAAAAAAAAkUAAAAAQAAABQAAAAUAAAAFAAAAAEAAAAAAAAAZAAAAGQAAAAAAAAAZAAAAGQAAAAVAAAAYAAAAAAAAAAAAAAADwAAACADAAAAAAAAAAAAAAEAAACgMgAAVgcAAKr4//8BAAAAf39/AAEAAABkAAAAAAAAABQAAABAHwAAAAAAACYAAAAAAAAAwOD//wAAAAAmAAAAZAAAABYAAABMAAAAAAAAAAAAAAAEAAAAAAAAAAEAAACAgIAKAAAAACgAAAAoAAAAZAAAAGQAAAAAAAAAzMzMAAAAAABQAAAAUAAAAGQAAABkAAAAAAAAABcAAAAUAAAAAAAAAAAAAAD/fwAA/38AAAAAAAAJAAAABAAAAAAAAAAMAAAAEAAAAAAAAAAAAAAAAAAAAAAAAAAeAAAAaAAAAAAAAAAAAAAAAAAAAAAAAAAAAAAAECcAABAnAAAAAAAAAAAAAAAAAAAAAAAAAAAAAAAAAAAAAAAAAAAAABQAAAAAAAAAwMD/AAAAAABkAAAAMgAAAAAAAABkAAAAAAAAAH9/fwAKAAAAHwAAAFQAAAAAAAAFAAAAAQAAAAAAAAAAAAAAAAAAAAAAAAAAAAAAAAAAAAAAAAAAAAAAAn9/fwAAAAADzMzMAMDA/wB/f38AAAAAAAAAAAAAAAAAAAAAAAAAAAAhAAAAGAAAABQAAADQAgAAsAEAAHA1AAC4CAAAEAAAACYAAAAIAAAA//////////8="/>
+                <pr:smNativeData xmlns:pr="smNativeData" val="SMDATA_13_gcGAXRMAAAAlAAAAZAAAAA8BAAAAkAAAAEgAAACQAAAASAAAAAAAAAABAAAAAAAAAAEAAABQAAAAAAAAAAAA4D8AAAAAAADgPwAAAAAAAOA/AAAAAAAA4D8AAAAAAADgPwAAAAAAAOA/AAAAAAAA4D8AAAAAAADgPwAAAAAAAOA/AAAAAAAA4D8CAAAAjAAAAAAAAAAAAAAAu+DjDP///wgAAAAAAAAAAAAAAAAAAAAAAAAAAAAAAAAAAAAAZAAAAAEAAABAAAAAAAAAAAAAAAAAAAAAAAAAAAAAAAAAAAAAAAAAAAAAAAAAAAAAAAAAAAAAAAAAAAAAAAAAAAAAAAAAAAAAAAAAAAAAAAAAAAAAAAAAAAAAAAAAAAAAFAAAADwAAAAAAAAAAAAAAAAAAAkUAAAAAQAAABQAAAAUAAAAFAAAAAEAAAAAAAAAZAAAAGQAAAAAAAAAZAAAAGQAAAAVAAAAYAAAAAAAAAAAAAAADwAAACADAAAAAAAAAAAAAAEAAACgMgAAVgcAAKr4//8BAAAAf39/AAEAAABkAAAAAAAAABQAAABAHwAAAAAAACYAAAAAAAAAwOD//wAAAAAmAAAAZAAAABYAAABMAAAAAAAAAAAAAAAEAAAAAAAAAAEAAACAgIAKAAAAACgAAAAoAAAAZAAAAGQAAAAAAAAAzMzMAAAAAABQAAAAUAAAAGQAAABkAAAAAAAAABcAAAAUAAAAAAAAAAAAAAD/fwAA/38AAAAAAAAJAAAABAAAAAAAAAAMAAAAEAAAAAAAAAAAAAAAAAAAAAAAAAAeAAAAaAAAAAAAAAAAAAAAAAAAAAAAAAAAAAAAECcAABAnAAAAAAAAAAAAAAAAAAAAAAAAAAAAAAAAAAAAAAAAAAAAABQAAAAAAAAAwMD/AAAAAABkAAAAMgAAAAAAAABkAAAAAAAAAH9/fwAKAAAAHwAAAFQAAAAAAAAFAAAAAQAAAAAAAAAAAAAAAAAAAAAAAAAAAAAAAAAAAAAAAAAAAAAAAn9/fwAAAAADzMzMAMDA/wB/f38AAAAAAAAAAAAAAAAAAAAAAAAAAAAhAAAAGAAAABQAAADQAgAAsAEAAHA1AAC4CAAAEAAAACYAAAAIAAAA//////////8="/>
               </a:ext>
             </a:extLst>
           </p:cNvSpPr>
@@ -2915,7 +2915,7 @@
             <a:spLocks noGrp="1" noChangeArrowheads="1"/>
             <a:extLst>
               <a:ext uri="smNativeData">
-                <pr:smNativeData xmlns:pr="smNativeData" val="SMDATA_13_IrKAXRMAAAAlAAAAZAAAAA8BAAAAkAAAAEgAAACQAAAASAAAAAAAAAAAAAAAAAAAAAEAAABQAAAAAAAAAAAA4D8AAAAAAADgPwAAAAAAAOA/AAAAAAAA4D8AAAAAAADgPwAAAAAAAOA/AAAAAAAA4D8AAAAAAADgPwAAAAAAAOA/AAAAAAAA4D8CAAAAjAAAAAAAAAAAAAAAu+DjDP///wgAAAAAAAAAAAAAAAAAAAAAAAAAAAAAAAAAAAAAZAAAAAEAAABAAAAAAAAAAAAAAAAAAAAAAAAAAAAAAAAAAAAAAAAAAAAAAAAAAAAAAAAAAAAAAAAAAAAAAAAAAAAAAAAAAAAAAAAAAAAAAAAAAAAAAAAAAAAAAAAAAAAAFAAAADwAAAAAAAAAAAAAAAAAAAkUAAAAAQAAABQAAAAUAAAAFAAAAAEAAAAAAAAAZAAAAGQAAAAAAAAAZAAAAGQAAAAVAAAAYAAAAAAAAAAAAAAADwAAACADAAAAAAAAAAAAAAEAAACgMgAAVgcAAKr4//8BAAAAf39/AAEAAABkAAAAAAAAABQAAABAHwAAAAAAACYAAAAAAAAAwOD//wAAAAAmAAAAZAAAABYAAABMAAAAAAAAAAAAAAAEAAAAAAAAAAEAAACAgIAKAAAAACgAAAAoAAAAZAAAAGQAAAAAAAAAzMzMAAAAAABQAAAAUAAAAGQAAABkAAAAAAAAABcAAAAUAAAAAAAAAAAAAAD/fwAA/38AAAAAAAAJAAAABAAAAAAAAAAMAAAAEAAAAAAAAAAAAAAAAAAAAAAAAAAeAAAAaAAAAAAAAAAAAAAAAAAAAAAAAAAAAAAAECcAABAnAAAAAAAAAAAAAAAAAAAAAAAAAAAAAAAAAAAAAAAAAAAAABQAAAAAAAAAwMD/AAAAAABkAAAAMgAAAAAAAABkAAAAAAAAAH9/fwAKAAAAHwAAAFQAAAAAAAAFAAAAAQAAAAAAAAAAAAAAAAAAAAAAAAAAAAAAAAAAAAAAAAAAAAAAAn9/fwAAAAADzMzMAMDA/wB/f38AAAAAAAAAAAAAAAAAAAAAAAAAAAAhAAAAGAAAABQAAADQAgAA2AkAAHA1AACwJQAAEAAAACYAAAAIAAAA//////////8="/>
+                <pr:smNativeData xmlns:pr="smNativeData" val="SMDATA_13_gcGAXRMAAAAlAAAAZAAAAA8BAAAAkAAAAEgAAACQAAAASAAAAAAAAAAAAAAAAAAAAAEAAABQAAAAAAAAAAAA4D8AAAAAAADgPwAAAAAAAOA/AAAAAAAA4D8AAAAAAADgPwAAAAAAAOA/AAAAAAAA4D8AAAAAAADgPwAAAAAAAOA/AAAAAAAA4D8CAAAAjAAAAAAAAAAAAAAAu+DjDP///wgAAAAAAAAAAAAAAAAAAAAAAAAAAAAAAAAAAAAAZAAAAAEAAABAAAAAAAAAAAAAAAAAAAAAAAAAAAAAAAAAAAAAAAAAAAAAAAAAAAAAAAAAAAAAAAAAAAAAAAAAAAAAAAAAAAAAAAAAAAAAAAAAAAAAAAAAAAAAAAAAAAAAFAAAADwAAAAAAAAAAAAAAAAAAAkUAAAAAQAAABQAAAAUAAAAFAAAAAEAAAAAAAAAZAAAAGQAAAAAAAAAZAAAAGQAAAAVAAAAYAAAAAAAAAAAAAAADwAAACADAAAAAAAAAAAAAAEAAACgMgAAVgcAAKr4//8BAAAAf39/AAEAAABkAAAAAAAAABQAAABAHwAAAAAAACYAAAAAAAAAwOD//wAAAAAmAAAAZAAAABYAAABMAAAAAAAAAAAAAAAEAAAAAAAAAAEAAACAgIAKAAAAACgAAAAoAAAAZAAAAGQAAAAAAAAAzMzMAAAAAABQAAAAUAAAAGQAAABkAAAAAAAAABcAAAAUAAAAAAAAAAAAAAD/fwAA/38AAAAAAAAJAAAABAAAAAAAAAAMAAAAEAAAAAAAAAAAAAAAAAAAAAAAAAAeAAAAaAAAAAAAAAAAAAAAAAAAAAAAAAAAAAAAECcAABAnAAAAAAAAAAAAAAAAAAAAAAAAAAAAAAAAAAAAAAAAAAAAABQAAAAAAAAAwMD/AAAAAABkAAAAMgAAAAAAAABkAAAAAAAAAH9/fwAKAAAAHwAAAFQAAAAAAAAFAAAAAQAAAAAAAAAAAAAAAAAAAAAAAAAAAAAAAAAAAAAAAAAAAAAAAn9/fwAAAAADzMzMAMDA/wB/f38AAAAAAAAAAAAAAAAAAAAAAAAAAAAhAAAAGAAAABQAAADQAgAA2AkAAHA1AACwJQAAEAAAACYAAAAIAAAA//////////8="/>
               </a:ext>
             </a:extLst>
           </p:cNvSpPr>
@@ -2983,7 +2983,7 @@
             <a:spLocks noGrp="1" noChangeArrowheads="1"/>
             <a:extLst>
               <a:ext uri="smNativeData">
-                <pr:smNativeData xmlns:pr="smNativeData" val="SMDATA_13_IrKAXRMAAAAlAAAAZAAAAA8BAAAAkAAAAEgAAACQAAAASAAAAAAAAAABAAAAAAAAAAEAAABQAAAAAAAAAAAA4D8AAAAAAADgPwAAAAAAAOA/AAAAAAAA4D8AAAAAAADgPwAAAAAAAOA/AAAAAAAA4D8AAAAAAADgPwAAAAAAAOA/AAAAAAAA4D8CAAAAjAAAAAAAAAAAAAAAu+DjDP///wgAAAAAAAAAAAAAAAAAAAAAAAAAAAAAAAAAAAAAZAAAAAEAAABAAAAAAAAAAAAAAAAAAAAAAAAAAAAAAAAAAAAAAAAAAAAAAAAAAAAAAAAAAAAAAAAAAAAAAAAAAAAAAAAAAAAAAAAAAAAAAAAAAAAAAAAAAAAAAAAAAAAAFAAAADwAAAAAAAAAAAAAAAAAAAkUAAAAAQAAABQAAAAUAAAAFAAAAAEAAAAAAAAAZAAAAGQAAAAAAAAAZAAAAGQAAAAVAAAAYAAAAAAAAAAAAAAADwAAACADAAAAAAAAAAAAAAEAAACgMgAAVgcAAKr4//8BAAAAf39/AAEAAABkAAAAAAAAABQAAABAHwAAAAAAACYAAAAAAAAAwOD//wAAAAAmAAAAZAAAABYAAABMAAAAAAAAAAAAAAAEAAAAAAAAAAEAAACAgIAKAAAAACgAAAAoAAAAZAAAAGQAAAAAAAAAzMzMAAAAAABQAAAAUAAAAGQAAABkAAAAAAAAABcAAAAUAAAAAAAAAAAAAAD/fwAA/38AAAAAAAAJAAAABAAAAGVlZWUMAAAAEAAAAAAAAAAAAAAAAAAAAAAAAAAeAAAAaAAAAAAAAAAAAAAAAAAAAAAAAAAAAAAAECcAABAnAAAAAAAAAAAAAAAAAAAAAAAAAAAAAAAAAAAAAAAAAAAAABQAAAAAAAAAwMD/AAAAAABkAAAAMgAAAAAAAABkAAAAAAAAAH9/fwAKAAAAHwAAAFQAAAAAAAAFAAAAAQAAAAAAAAAAAAAAAAAAAAAAAAAAAAAAAAAAAAAAAAAAAAAAAn9/fwAAAAADzMzMAMDA/wB/f38AAAAAAAAAAAAAAAAAAAAAAAAAAAAhAAAAGAAAABQAAADQAgAAGycAAPAPAABZKQAAEAAAACYAAAAIAAAA//////////8="/>
+                <pr:smNativeData xmlns:pr="smNativeData" val="SMDATA_13_gcGAXRMAAAAlAAAAZAAAAA8BAAAAkAAAAEgAAACQAAAASAAAAAAAAAABAAAAAAAAAAEAAABQAAAAAAAAAAAA4D8AAAAAAADgPwAAAAAAAOA/AAAAAAAA4D8AAAAAAADgPwAAAAAAAOA/AAAAAAAA4D8AAAAAAADgPwAAAAAAAOA/AAAAAAAA4D8CAAAAjAAAAAAAAAAAAAAAu+DjDP///wgAAAAAAAAAAAAAAAAAAAAAAAAAAAAAAAAAAAAAZAAAAAEAAABAAAAAAAAAAAAAAAAAAAAAAAAAAAAAAAAAAAAAAAAAAAAAAAAAAAAAAAAAAAAAAAAAAAAAAAAAAAAAAAAAAAAAAAAAAAAAAAAAAAAAAAAAAAAAAAAAAAAAFAAAADwAAAAAAAAAAAAAAAAAAAkUAAAAAQAAABQAAAAUAAAAFAAAAAEAAAAAAAAAZAAAAGQAAAAAAAAAZAAAAGQAAAAVAAAAYAAAAAAAAAAAAAAADwAAACADAAAAAAAAAAAAAAEAAACgMgAAVgcAAKr4//8BAAAAf39/AAEAAABkAAAAAAAAABQAAABAHwAAAAAAACYAAAAAAAAAwOD//wAAAAAmAAAAZAAAABYAAABMAAAAAAAAAAAAAAAEAAAAAAAAAAEAAACAgIAKAAAAACgAAAAoAAAAZAAAAGQAAAAAAAAAzMzMAAAAAABQAAAAUAAAAGQAAABkAAAAAAAAABcAAAAUAAAAAAAAAAAAAAD/fwAA/38AAAAAAAAJAAAABAAAAGVlZWUMAAAAEAAAAAAAAAAAAAAAAAAAAAAAAAAeAAAAaAAAAAAAAAAAAAAAAAAAAAAAAAAAAAAAECcAABAnAAAAAAAAAAAAAAAAAAAAAAAAAAAAAAAAAAAAAAAAAAAAABQAAAAAAAAAwMD/AAAAAABkAAAAMgAAAAAAAABkAAAAAAAAAH9/fwAKAAAAHwAAAFQAAAAAAAAFAAAAAQAAAAAAAAAAAAAAAAAAAAAAAAAAAAAAAAAAAAAAAAAAAAAAAn9/fwAAAAADzMzMAMDA/wB/f38AAAAAAAAAAAAAAAAAAAAAAAAAAAAhAAAAGAAAABQAAADQAgAAGycAAPAPAABZKQAAEAAAACYAAAAIAAAA//////////8="/>
               </a:ext>
             </a:extLst>
           </p:cNvSpPr>
@@ -3018,7 +3018,7 @@
           </a:lstStyle>
           <a:p>
             <a:pPr/>
-            <a:fld id="{5F31F732-7CB2-6401-FC89-8A54B9C70ADF}" type="datetime1">
+            <a:fld id="{6A8B6F4C-0287-DE99-C933-F4CC217D3FA1}" type="datetime1">
               <a:t/>
             </a:fld>
           </a:p>
@@ -3031,7 +3031,7 @@
             <a:spLocks noGrp="1" noChangeArrowheads="1"/>
             <a:extLst>
               <a:ext uri="smNativeData">
-                <pr:smNativeData xmlns:pr="smNativeData" val="SMDATA_13_IrKAXRMAAAAlAAAAZAAAAA8BAAAAkAAAAEgAAACQAAAASAAAAAAAAAABAAAAAAAAAAEAAABQAAAAAAAAAAAA4D8AAAAAAADgPwAAAAAAAOA/AAAAAAAA4D8AAAAAAADgPwAAAAAAAOA/AAAAAAAA4D8AAAAAAADgPwAAAAAAAOA/AAAAAAAA4D8CAAAAjAAAAAAAAAAAAAAAu+DjDP///wgAAAAAAAAAAAAAAAAAAAAAAAAAAAAAAAAAAAAAZAAAAAEAAABAAAAAAAAAAAAAAAAAAAAAAAAAAAAAAAAAAAAAAAAAAAAAAAAAAAAAAAAAAAAAAAAAAAAAAAAAAAAAAAAAAAAAAAAAAAAAAAAAAAAAAAAAAAAAAAAAAAAAFAAAADwAAAAAAAAAAAAAAAAAAAkUAAAAAQAAABQAAAAUAAAAFAAAAAEAAAAAAAAAZAAAAGQAAAAAAAAAZAAAAGQAAAAVAAAAYAAAAAAAAAAAAAAADwAAACADAAAAAAAAAAAAAAEAAACgMgAAVgcAAKr4//8BAAAAf39/AAEAAABkAAAAAAAAABQAAABAHwAAAAAAACYAAAAAAAAAwOD//wAAAAAmAAAAZAAAABYAAABMAAAAAAAAAAAAAAAEAAAAAAAAAAEAAACAgIAKAAAAACgAAAAoAAAAZAAAAGQAAAAAAAAAzMzMAAAAAABQAAAAUAAAAGQAAABkAAAAAAAAABcAAAAUAAAAAAAAAAAAAAD/fwAA/38AAAAAAAAJAAAABAAAAIAAAAAMAAAAEAAAAAAAAAAAAAAAAAAAAAAAAAAeAAAAaAAAAAAAAAAAAAAAAAAAAAAAAAAAAAAAECcAABAnAAAAAAAAAAAAAAAAAAAAAAAAAAAAAAAAAAAAAAAAAAAAABQAAAAAAAAAwMD/AAAAAABkAAAAMgAAAAAAAABkAAAAAAAAAH9/fwAKAAAAHwAAAFQAAAAAAAAFAAAAAQAAAAAAAAAAAAAAAAAAAAAAAAAAAAAAAAAAAAAAAAAAAAAAAn9/fwAAAAADzMzMAMDA/wB/f38AAAAAAAAAAAAAAAAAAAAAAAAAAAAhAAAAGAAAABQAAAA4EwAAGycAAAglAABZKQAAEAAAACYAAAAIAAAA//////////8="/>
+                <pr:smNativeData xmlns:pr="smNativeData" val="SMDATA_13_gcGAXRMAAAAlAAAAZAAAAA8BAAAAkAAAAEgAAACQAAAASAAAAAAAAAABAAAAAAAAAAEAAABQAAAAAAAAAAAA4D8AAAAAAADgPwAAAAAAAOA/AAAAAAAA4D8AAAAAAADgPwAAAAAAAOA/AAAAAAAA4D8AAAAAAADgPwAAAAAAAOA/AAAAAAAA4D8CAAAAjAAAAAAAAAAAAAAAu+DjDP///wgAAAAAAAAAAAAAAAAAAAAAAAAAAAAAAAAAAAAAZAAAAAEAAABAAAAAAAAAAAAAAAAAAAAAAAAAAAAAAAAAAAAAAAAAAAAAAAAAAAAAAAAAAAAAAAAAAAAAAAAAAAAAAAAAAAAAAAAAAAAAAAAAAAAAAAAAAAAAAAAAAAAAFAAAADwAAAAAAAAAAAAAAAAAAAkUAAAAAQAAABQAAAAUAAAAFAAAAAEAAAAAAAAAZAAAAGQAAAAAAAAAZAAAAGQAAAAVAAAAYAAAAAAAAAAAAAAADwAAACADAAAAAAAAAAAAAAEAAACgMgAAVgcAAKr4//8BAAAAf39/AAEAAABkAAAAAAAAABQAAABAHwAAAAAAACYAAAAAAAAAwOD//wAAAAAmAAAAZAAAABYAAABMAAAAAAAAAAAAAAAEAAAAAAAAAAEAAACAgIAKAAAAACgAAAAoAAAAZAAAAGQAAAAAAAAAzMzMAAAAAABQAAAAUAAAAGQAAABkAAAAAAAAABcAAAAUAAAAAAAAAAAAAAD/fwAA/38AAAAAAAAJAAAABAAAAIAAAAAMAAAAEAAAAAAAAAAAAAAAAAAAAAAAAAAeAAAAaAAAAAAAAAAAAAAAAAAAAAAAAAAAAAAAECcAABAnAAAAAAAAAAAAAAAAAAAAAAAAAAAAAAAAAAAAAAAAAAAAABQAAAAAAAAAwMD/AAAAAABkAAAAMgAAAAAAAABkAAAAAAAAAH9/fwAKAAAAHwAAAFQAAAAAAAAFAAAAAQAAAAAAAAAAAAAAAAAAAAAAAAAAAAAAAAAAAAAAAAAAAAAAAn9/fwAAAAADzMzMAMDA/wB/f38AAAAAAAAAAAAAAAAAAAAAAAAAAAAhAAAAGAAAABQAAAA4EwAAGycAAAglAABZKQAAEAAAACYAAAAIAAAA//////////8="/>
               </a:ext>
             </a:extLst>
           </p:cNvSpPr>
@@ -3076,7 +3076,7 @@
             <a:spLocks noGrp="1" noChangeArrowheads="1"/>
             <a:extLst>
               <a:ext uri="smNativeData">
-                <pr:smNativeData xmlns:pr="smNativeData" val="SMDATA_13_IrKAXRMAAAAlAAAAZAAAAA8BAAAAkAAAAEgAAACQAAAASAAAAAAAAAABAAAAAAAAAAEAAABQAAAAAAAAAAAA4D8AAAAAAADgPwAAAAAAAOA/AAAAAAAA4D8AAAAAAADgPwAAAAAAAOA/AAAAAAAA4D8AAAAAAADgPwAAAAAAAOA/AAAAAAAA4D8CAAAAjAAAAAAAAAAAAAAAu+DjDP///wgAAAAAAAAAAAAAAAAAAAAAAAAAAAAAAAAAAAAAZAAAAAEAAABAAAAAAAAAAAAAAAAAAAAAAAAAAAAAAAAAAAAAAAAAAAAAAAAAAAAAAAAAAAAAAAAAAAAAAAAAAAAAAAAAAAAAAAAAAAAAAAAAAAAAAAAAAAAAAAAAAAAAFAAAADwAAAAAAAAAAAAAAAAAAAkUAAAAAQAAABQAAAAUAAAAFAAAAAEAAAAAAAAAZAAAAGQAAAAAAAAAZAAAAGQAAAAVAAAAYAAAAAAAAAAAAAAADwAAACADAAAAAAAAAAAAAAEAAACgMgAAVgcAAKr4//8BAAAAf39/AAEAAABkAAAAAAAAABQAAABAHwAAAAAAACYAAAAAAAAAwOD//wAAAAAmAAAAZAAAABYAAABMAAAAAAAAAAAAAAAEAAAAAAAAAAEAAACAgIAKAAAAACgAAAAoAAAAZAAAAGQAAAAAAAAAzMzMAAAAAABQAAAAUAAAAGQAAABkAAAAAAAAABcAAAAUAAAAAAAAAAAAAAD/fwAA/38AAAAAAAAJAAAABAAAADwvYToMAAAAEAAAAAAAAAAAAAAAAAAAAAAAAAAeAAAAaAAAAAAAAAAAAAAAAAAAAAAAAAAAAAAAECcAABAnAAAAAAAAAAAAAAAAAAAAAAAAAAAAAAAAAAAAAAAAAAAAABQAAAAAAAAAwMD/AAAAAABkAAAAMgAAAAAAAABkAAAAAAAAAH9/fwAKAAAAHwAAAFQAAAAAAAAFAAAAAQAAAAAAAAAAAAAAAAAAAAAAAAAAAAAAAAAAAAAAAAAAAAAAAn9/fwAAAAADzMzMAMDA/wB/f38AAAAAAAAAAAAAAAAAAAAAAAAAAAAhAAAAGAAAABQAAABQKAAAGycAAHA1AABZKQAAEAAAACYAAAAIAAAA//////////8="/>
+                <pr:smNativeData xmlns:pr="smNativeData" val="SMDATA_13_gcGAXRMAAAAlAAAAZAAAAA8BAAAAkAAAAEgAAACQAAAASAAAAAAAAAABAAAAAAAAAAEAAABQAAAAAAAAAAAA4D8AAAAAAADgPwAAAAAAAOA/AAAAAAAA4D8AAAAAAADgPwAAAAAAAOA/AAAAAAAA4D8AAAAAAADgPwAAAAAAAOA/AAAAAAAA4D8CAAAAjAAAAAAAAAAAAAAAu+DjDP///wgAAAAAAAAAAAAAAAAAAAAAAAAAAAAAAAAAAAAAZAAAAAEAAABAAAAAAAAAAAAAAAAAAAAAAAAAAAAAAAAAAAAAAAAAAAAAAAAAAAAAAAAAAAAAAAAAAAAAAAAAAAAAAAAAAAAAAAAAAAAAAAAAAAAAAAAAAAAAAAAAAAAAFAAAADwAAAAAAAAAAAAAAAAAAAkUAAAAAQAAABQAAAAUAAAAFAAAAAEAAAAAAAAAZAAAAGQAAAAAAAAAZAAAAGQAAAAVAAAAYAAAAAAAAAAAAAAADwAAACADAAAAAAAAAAAAAAEAAACgMgAAVgcAAKr4//8BAAAAf39/AAEAAABkAAAAAAAAABQAAABAHwAAAAAAACYAAAAAAAAAwOD//wAAAAAmAAAAZAAAABYAAABMAAAAAAAAAAAAAAAEAAAAAAAAAAEAAACAgIAKAAAAACgAAAAoAAAAZAAAAGQAAAAAAAAAzMzMAAAAAABQAAAAUAAAAGQAAABkAAAAAAAAABcAAAAUAAAAAAAAAAAAAAD/fwAA/38AAAAAAAAJAAAABAAAADwvYToMAAAAEAAAAAAAAAAAAAAAAAAAAAAAAAAeAAAAaAAAAAAAAAAAAAAAAAAAAAAAAAAAAAAAECcAABAnAAAAAAAAAAAAAAAAAAAAAAAAAAAAAAAAAAAAAAAAAAAAABQAAAAAAAAAwMD/AAAAAABkAAAAMgAAAAAAAABkAAAAAAAAAH9/fwAKAAAAHwAAAFQAAAAAAAAFAAAAAQAAAAAAAAAAAAAAAAAAAAAAAAAAAAAAAAAAAAAAAAAAAAAAAn9/fwAAAAADzMzMAMDA/wB/f38AAAAAAAAAAAAAAAAAAAAAAAAAAAAhAAAAGAAAABQAAABQKAAAGycAAHA1AABZKQAAEAAAACYAAAAIAAAA//////////8="/>
               </a:ext>
             </a:extLst>
           </p:cNvSpPr>
@@ -3111,7 +3111,7 @@
           </a:lstStyle>
           <a:p>
             <a:pPr/>
-            <a:fld id="{66F879B5-FB8B-AD8F-C540-0DDA370E3358}" type="slidenum">
+            <a:fld id="{2C894641-0FC1-DCB0-8F31-F9E5087F79AC}" type="slidenum">
               <a:t/>
             </a:fld>
           </a:p>
@@ -3797,7 +3797,7 @@
           <p:cNvSpPr>
             <a:extLst>
               <a:ext uri="smNativeData">
-                <pr:smNativeData xmlns:pr="smNativeData" val="SMDATA_13_IrKAXRMAAAAlAAAAZAAAAA8BAAAAkAAAAEgAAACQAAAASAAAAAAAAAAAAAAAAAAAAAEAAABQAAAAAAAAAAAA4D8AAAAAAADgPwAAAAAAAOA/AAAAAAAA4D8AAAAAAADgPwAAAAAAAOA/AAAAAAAA4D8AAAAAAADgPwAAAAAAAOA/AAAAAAAA4D8CAAAAjAAAAAEAAAAAAAAAHh4eAP///wgAAAAAAAAAAAAAAAAAAAAAAAAAAAAAAAAAAAAAZAAAAAEAAABAAAAAAAAAAAAAAAAAAAAAAAAAAAAAAAAAAAAAAAAAAAAAAAAAAAAAAAAAAAAAAAAAAAAAAAAAAAAAAAAAAAAAAAAAAAAAAAAAAAAAAAAAAAAAAAAAAAAAFAAAADwAAAAAAAAAAAAAAAAAAAkAAAAAAQAAAAAAAAAAAAAAAAAAAAAAAAAAAAAAZAAAAGQAAAAAAAAAZAAAAGQAAAAVAAAAYAAAAAAAAAAAAAAADwAAACADAAAAAAAAAAAAAAEAAACgMgAAAAAAAAAAAAABAAAAf39/AAEAAABkAAAAAAAAABQAAABAHwAAAAAAACYAAAAAAAAAwOD//wAAAAAmAAAAZAAAABYAAABMAAAAAAAAAAAAAAAEAAAAAAAAAAEAAACAgIAKAAAAACgAAAAoAAAAZAAAAGQAAAAAAAAAzMzMAAAAAABQAAAAUAAAAGQAAABkAAAAAAAAABcAAAAUAAAAAAAAAAAAAAD/fwAA/38AAAAAAAAJAAAABAAAAGxyIHYMAAAAEAAAAAAAAAAAAAAAAAAAAAAAAAAeAAAAaAAAAAAAAAAAAAAAAAAAAAAAAAAAAAAAECcAABAnAAAAAAAAAAAAAAAAAAAAAAAAAAAAAAAAAAAAAAAAAAAAABQAAAAAAAAAwMD/AAAAAABkAAAAMgAAAAAAAABkAAAAAAAAAH9/fwAKAAAAHwAAAFQAAAAeHh4A////AQAAAAAAAAAAAAAAAAAAAAAAAAAAAAAAAAAAAAAAAAAAAAAAAn9/fwCAgIADzMzMAMDA/wB/f38AAAAAAAAAAAAAAAAAAAAAAAAAAAAhAAAAGAAAABQAAAAAAAAAag4AAEA4AAC9DwAAEAAAACYAAAAIAAAA//////////8="/>
+                <pr:smNativeData xmlns:pr="smNativeData" val="SMDATA_13_gcGAXRMAAAAlAAAAZAAAAA8BAAAAkAAAAEgAAACQAAAASAAAAAAAAAAAAAAAAAAAAAEAAABQAAAAAAAAAAAA4D8AAAAAAADgPwAAAAAAAOA/AAAAAAAA4D8AAAAAAADgPwAAAAAAAOA/AAAAAAAA4D8AAAAAAADgPwAAAAAAAOA/AAAAAAAA4D8CAAAAjAAAAAEAAAAAAAAAHh4eAP///wgAAAAAAAAAAAAAAAAAAAAAAAAAAAAAAAAAAAAAZAAAAAEAAABAAAAAAAAAAAAAAAAAAAAAAAAAAAAAAAAAAAAAAAAAAAAAAAAAAAAAAAAAAAAAAAAAAAAAAAAAAAAAAAAAAAAAAAAAAAAAAAAAAAAAAAAAAAAAAAAAAAAAFAAAADwAAAAAAAAAAAAAAAAAAAkAAAAAAQAAAAAAAAAAAAAAAAAAAAAAAAAAAAAAZAAAAGQAAAAAAAAAZAAAAGQAAAAVAAAAYAAAAAAAAAAAAAAADwAAACADAAAAAAAAAAAAAAEAAACgMgAAAAAAAAAAAAABAAAAf39/AAEAAABkAAAAAAAAABQAAABAHwAAAAAAACYAAAAAAAAAwOD//wAAAAAmAAAAZAAAABYAAABMAAAAAAAAAAAAAAAEAAAAAAAAAAEAAACAgIAKAAAAACgAAAAoAAAAZAAAAGQAAAAAAAAAzMzMAAAAAABQAAAAUAAAAGQAAABkAAAAAAAAABcAAAAUAAAAAAAAAAAAAAD/fwAA/38AAAAAAAAJAAAABAAAAGxyIHYMAAAAEAAAAAAAAAAAAAAAAAAAAAAAAAAeAAAAaAAAAAAAAAAAAAAAAAAAAAAAAAAAAAAAECcAABAnAAAAAAAAAAAAAAAAAAAAAAAAAAAAAAAAAAAAAAAAAAAAABQAAAAAAAAAwMD/AAAAAABkAAAAMgAAAAAAAABkAAAAAAAAAH9/fwAKAAAAHwAAAFQAAAAeHh4A////AQAAAAAAAAAAAAAAAAAAAAAAAAAAAAAAAAAAAAAAAAAAAAAAAn9/fwCAgIADzMzMAMDA/wB/f38AAAAAAAAAAAAAAAAAAAAAAAAAAAAhAAAAGAAAABQAAAAAAAAAag4AAEA4AAC9DwAAEAAAACYAAAAIAAAA//////////8="/>
               </a:ext>
             </a:extLst>
           </p:cNvSpPr>
@@ -3827,7 +3827,7 @@
             <a:spLocks noGrp="1" noChangeArrowheads="1"/>
             <a:extLst>
               <a:ext uri="smNativeData">
-                <pr:smNativeData xmlns:pr="smNativeData" val="SMDATA_13_IrKAXRMAAAAlAAAAZAAAAA8BAAAAkAAAAEgAAACQAAAASAAAAAAAAAABAAAAAAAAAAEAAABQAAAAAAAAAAAA4D8AAAAAAADgPwAAAAAAAOA/AAAAAAAA4D8AAAAAAADgPwAAAAAAAOA/AAAAAAAA4D8AAAAAAADgPwAAAAAAAOA/AAAAAAAA4D8CAAAAjAAAAAAAAAAAAAAAu+DjDP///wgAAAAAAAAAAAAAAAAAAAAAAAAAAAAAAAAAAAAAZAAAAAEAAABAAAAAAAAAAAAAAAAAAAAAAAAAAAAAAAAAAAAAAAAAAAAAAAAAAAAAAAAAAAAAAAAAAAAAAAAAAAAAAAAAAAAAAAAAAAAAAAAAAAAAAAAAAAAAAAAAAAAAFAAAADwAAAAAAAAAAAAAAAAAAAkUAAAAAQAAABQAAAAUAAAAFAAAAAEAAAAAAAAAZAAAAGQAAAAAAAAAZAAAAGQAAAAVAAAAYAAAAAAAAAAAAAAADwAAACADAAAAAAAAAAAAAAEAAACgMgAAVgcAAKr4//8BAAAAf39/AAEAAABkAAAAAAAAABQAAABAHwAAAAAAACYAAAAAAAAAwOD//wAAAAAmAAAAZAAAABYAAABMAAAAAAAAAAAAAAAEAAAAAAAAAAEAAACAgIAKAAAAACgAAAAoAAAAZAAAAGQAAAAAAAAAzMzMAAAAAABQAAAAUAAAAGQAAABkAAAAAAAAABcAAAAUAAAAAAAAAAAAAAD/fwAA/38AAAAAAAAJAAAABAAAAAAAAAAMAAAAEAAAAAAAAAAAAAAAAAAAAAAAAAAeAAAAaAAAAAAAAAAAAAAAAAAAAAAAAAAAAAAAECcAABAnAAAAAAAAAAAAAAAAAAAAAAAAAAAAAAAAAAAAAAAAAAAAABQAAAAAAAAAwMD/AAAAAABkAAAAMgAAAAAAAABkAAAAAAAAAH9/fwAKAAAAHwAAAFQAAAC74OMF////AQAAAAAAAAAAAAAAAAAAAAAAAAAAAAAAAAAAAAAAAAAAAAAAAn9/fwCAgIADzMzMAMDA/wB/f38AAAAAAAAAAAAAAAAAAAAAAAAAAAAhAAAAGAAAABQAAABGBAAAzgcAABY0AAB6CwAAEAAAACYAAAAIAAAAAQAAAAAAAAA="/>
+                <pr:smNativeData xmlns:pr="smNativeData" val="SMDATA_13_gcGAXRMAAAAlAAAAZAAAAA8BAAAAkAAAAEgAAACQAAAASAAAAAAAAAABAAAAAAAAAAEAAABQAAAAAAAAAAAA4D8AAAAAAADgPwAAAAAAAOA/AAAAAAAA4D8AAAAAAADgPwAAAAAAAOA/AAAAAAAA4D8AAAAAAADgPwAAAAAAAOA/AAAAAAAA4D8CAAAAjAAAAAAAAAAAAAAAu+DjDP///wgAAAAAAAAAAAAAAAAAAAAAAAAAAAAAAAAAAAAAZAAAAAEAAABAAAAAAAAAAAAAAAAAAAAAAAAAAAAAAAAAAAAAAAAAAAAAAAAAAAAAAAAAAAAAAAAAAAAAAAAAAAAAAAAAAAAAAAAAAAAAAAAAAAAAAAAAAAAAAAAAAAAAFAAAADwAAAAAAAAAAAAAAAAAAAkUAAAAAQAAABQAAAAUAAAAFAAAAAEAAAAAAAAAZAAAAGQAAAAAAAAAZAAAAGQAAAAVAAAAYAAAAAAAAAAAAAAADwAAACADAAAAAAAAAAAAAAEAAACgMgAAVgcAAKr4//8BAAAAf39/AAEAAABkAAAAAAAAABQAAABAHwAAAAAAACYAAAAAAAAAwOD//wAAAAAmAAAAZAAAABYAAABMAAAAAAAAAAAAAAAEAAAAAAAAAAEAAACAgIAKAAAAACgAAAAoAAAAZAAAAGQAAAAAAAAAzMzMAAAAAABQAAAAUAAAAGQAAABkAAAAAAAAABcAAAAUAAAAAAAAAAAAAAD/fwAA/38AAAAAAAAJAAAABAAAAAAAAAAMAAAAEAAAAAAAAAAAAAAAAAAAAAAAAAAeAAAAaAAAAAAAAAAAAAAAAAAAAAAAAAAAAAAAECcAABAnAAAAAAAAAAAAAAAAAAAAAAAAAAAAAAAAAAAAAAAAAAAAABQAAAAAAAAAwMD/AAAAAABkAAAAMgAAAAAAAABkAAAAAAAAAH9/fwAKAAAAHwAAAFQAAAC74OMF////AQAAAAAAAAAAAAAAAAAAAAAAAAAAAAAAAAAAAAAAAAAAAAAAAn9/fwCAgIADzMzMAMDA/wB/f38AAAAAAAAAAAAAAAAAAAAAAAAAAAAhAAAAGAAAABQAAABGBAAAzgcAABY0AAB6CwAAEAAAACYAAAAIAAAAAQAAAAAAAAA="/>
               </a:ext>
             </a:extLst>
           </p:cNvSpPr>
@@ -3867,7 +3867,7 @@
           <p:cNvSpPr txBox="1">
             <a:extLst>
               <a:ext uri="smNativeData">
-                <pr:smNativeData xmlns:pr="smNativeData" val="SMDATA_13_IrKAXRMAAAAlAAAAEgAAAE8BAAAAkAAAAEgAAACQAAAASAAAAAAAAAAAAAAAAAAAAAEAAABQAAAAAAAAAAAA4D8AAAAAAADgPwAAAAAAAOA/AAAAAAAA4D8AAAAAAADgPwAAAAAAAOA/AAAAAAAA4D8AAAAAAADgPwAAAAAAAOA/AAAAAAAA4D8CAAAAjAAAAAAAAAAAAAAAu+DjDP///wgAAAAAAAAAAAAAAAAAAAAAAAAAAAAAAAAAAAAAZAAAAAEAAABAAAAAAAAAAAAAAAAAAAAAAAAAAAAAAAAAAAAAAAAAAAAAAAAAAAAAAAAAAAAAAAAAAAAAAAAAAAAAAAAAAAAAAAAAAAAAAAAAAAAAAAAAAAAAAAAAAAAAFAAAADwAAAAAAAAAAAAAAAAAAAkUAAAAAQAAABQAAAAUAAAAFAAAAAEAAAAAAAAAZAAAAGQAAAAAAAAAZAAAAGQAAAAVAAAAYAAAAAAAAAAAAAAADwAAACADAAAAAAAAAAAAAAEAAACgMgAAVgcAAKr4//8BAAAAf39/AAEAAABkAAAAAAAAABQAAABAHwAAAAAAACYAAAAAAAAAwOD//wAAAAAmAAAAZAAAABYAAABMAAAAAAAAAAAAAAAEAAAAAAAAAAEAAACAgIAKAAAAACgAAAAoAAAAZAAAAGQAAAAAAAAAzMzMAAAAAABQAAAAUAAAAGQAAABkAAAAAAAAABcAAAAUAAAAAAAAANwIAAD/fwAA/38AAAAAAAAJAAAABAAAAGYFAAAMAAAAEAAAAAAAAAAAAAAAAAAAAAAAAAAeAAAAaAAAAAAAAAAAAAAAAAAAAAAAAAAAAAAAECcAABAnAAAAAAAAAAAAAAAAAAAAAAAAAAAAAAAAAAAAAAAAAAAAABQAAAAAAAAAwMD/AAAAAABkAAAAMgAAAAAAAABkAAAAAAAAAH9/fwAKAAAAHwAAAFQAAAC74OMF////AQAAAAAAAAAAAAAAAAAAAAAAAAAAAAAAAAAAAAAAAAAAAAAAAn9/fwCAgIADzMzMAMDA/wB/f38AAAAAAAAAAAAAAAAAAAAAAAAAAAAhAAAAGAAAABQAAABqBAAAegsAABY0AAC6DQAAECAAACYAAAAIAAAA//////////8="/>
+                <pr:smNativeData xmlns:pr="smNativeData" val="SMDATA_13_gcGAXRMAAAAlAAAAEgAAAE8BAAAAkAAAAEgAAACQAAAASAAAAAAAAAAAAAAAAAAAAAEAAABQAAAAAAAAAAAA4D8AAAAAAADgPwAAAAAAAOA/AAAAAAAA4D8AAAAAAADgPwAAAAAAAOA/AAAAAAAA4D8AAAAAAADgPwAAAAAAAOA/AAAAAAAA4D8CAAAAjAAAAAAAAAAAAAAAu+DjDP///wgAAAAAAAAAAAAAAAAAAAAAAAAAAAAAAAAAAAAAZAAAAAEAAABAAAAAAAAAAAAAAAAAAAAAAAAAAAAAAAAAAAAAAAAAAAAAAAAAAAAAAAAAAAAAAAAAAAAAAAAAAAAAAAAAAAAAAAAAAAAAAAAAAAAAAAAAAAAAAAAAAAAAFAAAADwAAAAAAAAAAAAAAAAAAAkUAAAAAQAAABQAAAAUAAAAFAAAAAEAAAAAAAAAZAAAAGQAAAAAAAAAZAAAAGQAAAAVAAAAYAAAAAAAAAAAAAAADwAAACADAAAAAAAAAAAAAAEAAACgMgAAVgcAAKr4//8BAAAAf39/AAEAAABkAAAAAAAAABQAAABAHwAAAAAAACYAAAAAAAAAwOD//wAAAAAmAAAAZAAAABYAAABMAAAAAAAAAAAAAAAEAAAAAAAAAAEAAACAgIAKAAAAACgAAAAoAAAAZAAAAGQAAAAAAAAAzMzMAAAAAABQAAAAUAAAAGQAAABkAAAAAAAAABcAAAAUAAAAAAAAANwIAAD/fwAA/38AAAAAAAAJAAAABAAAAGYFAAAMAAAAEAAAAAAAAAAAAAAAAAAAAAAAAAAeAAAAaAAAAAAAAAAAAAAAAAAAAAAAAAAAAAAAECcAABAnAAAAAAAAAAAAAAAAAAAAAAAAAAAAAAAAAAAAAAAAAAAAABQAAAAAAAAAwMD/AAAAAABkAAAAMgAAAAAAAABkAAAAAAAAAH9/fwAKAAAAHwAAAFQAAAC74OMF////AQAAAAAAAAAAAAAAAAAAAAAAAAAAAAAAAAAAAAAAAAAAAAAAAn9/fwCAgIADzMzMAMDA/wB/f38AAAAAAAAAAAAAAAAAAAAAAAAAAAAhAAAAGAAAABQAAABqBAAAegsAABY0AAC6DQAAECAAACYAAAAIAAAA//////////8="/>
               </a:ext>
             </a:extLst>
           </p:cNvSpPr>
@@ -3913,7 +3913,7 @@
           <p:cNvSpPr>
             <a:extLst>
               <a:ext uri="smNativeData">
-                <pr:smNativeData xmlns:pr="smNativeData" val="SMDATA_13_IrKAXRMAAAAlAAAAZAAAAA8BAAAAkAAAAEgAAACQAAAASAAAAAAAAAAAAAAAAAAAAAEAAABQAAAAAAAAAAAA4D8AAAAAAADgPwAAAAAAAOA/AAAAAAAA4D8AAAAAAADgPwAAAAAAAOA/AAAAAAAA4D8AAAAAAADgPwAAAAAAAOA/AAAAAAAA4D8CAAAAjAAAAAEAAAAAAAAAHh4eAP///wgAAAAAAAAAAAAAAAAAAAAAAAAAAAAAAAAAAAAAZAAAAAEAAABAAAAAAAAAAAAAAAAAAAAAAAAAAAAAAAAAAAAAAAAAAAAAAAAAAAAAAAAAAAAAAAAAAAAAAAAAAAAAAAAAAAAAAAAAAAAAAAAAAAAAAAAAAAAAAAAAAAAAFAAAADwAAAAAAAAAAAAAAAAAAAkAAAAAAQAAAAAAAAAAAAAAAAAAAAAAAAAAAAAAZAAAAGQAAAAAAAAAZAAAAGQAAAAVAAAAYAAAAAAAAAAAAAAADwAAACADAAAAAAAAAAAAAAEAAACgMgAAAAAAAAAAAAABAAAAf39/AAEAAABkAAAAAAAAABQAAABAHwAAAAAAACYAAAAAAAAAwOD//wAAAAAmAAAAZAAAABYAAABMAAAAAAAAAAAAAAAEAAAAAAAAAAEAAACAgIAKAAAAACgAAAAoAAAAZAAAAGQAAAAAAAAAzMzMAAAAAABQAAAAUAAAAGQAAABkAAAAAAAAABcAAAAUAAAAAAAAAAAAAAD/fwAA/38AAAAAAAAJAAAABAAAAAIA/f8MAAAAEAAAAAAAAAAAAAAAAAAAAAAAAAAeAAAAaAAAAAAAAAAAAAAAAAAAAAAAAAAAAAAAECcAABAnAAAAAAAAAAAAAAAAAAAAAAAAAAAAAAAAAAAAAAAAAAAAABQAAAAAAAAAwMD/AAAAAABkAAAAMgAAAAAAAABkAAAAAAAAAH9/fwAKAAAAHwAAAFQAAAAeHh4A////AQAAAAAAAAAAAAAAAAAAAAAAAAAAAAAAAAAAAAAAAAAAAAAAAn9/fwCAgIADzMzMAMDA/wB/f38AAAAAAAAAAAAAAAAAAAAAAAAAAAAhAAAAGAAAABQAAAAAAAAA2wQAAEA4AAAuBgAAEAAAACYAAAAIAAAA//////////8="/>
+                <pr:smNativeData xmlns:pr="smNativeData" val="SMDATA_13_gcGAXRMAAAAlAAAAZAAAAA8BAAAAkAAAAEgAAACQAAAASAAAAAAAAAAAAAAAAAAAAAEAAABQAAAAAAAAAAAA4D8AAAAAAADgPwAAAAAAAOA/AAAAAAAA4D8AAAAAAADgPwAAAAAAAOA/AAAAAAAA4D8AAAAAAADgPwAAAAAAAOA/AAAAAAAA4D8CAAAAjAAAAAEAAAAAAAAAHh4eAP///wgAAAAAAAAAAAAAAAAAAAAAAAAAAAAAAAAAAAAAZAAAAAEAAABAAAAAAAAAAAAAAAAAAAAAAAAAAAAAAAAAAAAAAAAAAAAAAAAAAAAAAAAAAAAAAAAAAAAAAAAAAAAAAAAAAAAAAAAAAAAAAAAAAAAAAAAAAAAAAAAAAAAAFAAAADwAAAAAAAAAAAAAAAAAAAkAAAAAAQAAAAAAAAAAAAAAAAAAAAAAAAAAAAAAZAAAAGQAAAAAAAAAZAAAAGQAAAAVAAAAYAAAAAAAAAAAAAAADwAAACADAAAAAAAAAAAAAAEAAACgMgAAAAAAAAAAAAABAAAAf39/AAEAAABkAAAAAAAAABQAAABAHwAAAAAAACYAAAAAAAAAwOD//wAAAAAmAAAAZAAAABYAAABMAAAAAAAAAAAAAAAEAAAAAAAAAAEAAACAgIAKAAAAACgAAAAoAAAAZAAAAGQAAAAAAAAAzMzMAAAAAABQAAAAUAAAAGQAAABkAAAAAAAAABcAAAAUAAAAAAAAAAAAAAD/fwAA/38AAAAAAAAJAAAABAAAAAIA/f8MAAAAEAAAAAAAAAAAAAAAAAAAAAAAAAAeAAAAaAAAAAAAAAAAAAAAAAAAAAAAAAAAAAAAECcAABAnAAAAAAAAAAAAAAAAAAAAAAAAAAAAAAAAAAAAAAAAAAAAABQAAAAAAAAAwMD/AAAAAABkAAAAMgAAAAAAAABkAAAAAAAAAH9/fwAKAAAAHwAAAFQAAAAeHh4A////AQAAAAAAAAAAAAAAAAAAAAAAAAAAAAAAAAAAAAAAAAAAAAAAAn9/fwCAgIADzMzMAMDA/wB/f38AAAAAAAAAAAAAAAAAAAAAAAAAAAAhAAAAGAAAABQAAAAAAAAA2wQAAEA4AAAuBgAAEAAAACYAAAAIAAAA//////////8="/>
               </a:ext>
             </a:extLst>
           </p:cNvSpPr>
@@ -3982,7 +3982,7 @@
           <p:cNvSpPr>
             <a:extLst>
               <a:ext uri="smNativeData">
-                <pr:smNativeData xmlns:pr="smNativeData" val="SMDATA_13_IrKAXRMAAAAlAAAAZAAAAA8BAAAAkAAAAEgAAACQAAAASAAAAAAAAAABAAAAAAAAAAEAAABQAAAAAAAAAAAA4D8AAAAAAADgPwAAAAAAAOA/AAAAAAAA4D8AAAAAAADgPwAAAAAAAOA/AAAAAAAA4D8AAAAAAADgPwAAAAAAAOA/AAAAAAAA4D8CAAAAjAAAAAAAAAAAAAAAu+DjDP///wgAAAAAAAAAAAAAAAAAAAAAAAAAAAAAAAAAAAAAZAAAAAEAAABAAAAAAAAAAAAAAAAAAAAAAAAAAAAAAAAAAAAAAAAAAAAAAAAAAAAAAAAAAAAAAAAAAAAAAAAAAAAAAAAAAAAAAAAAAAAAAAAAAAAAAAAAAAAAAAAAAAAAFAAAADwAAAAAAAAAAAAAAAAAAAkUAAAAAQAAABQAAAAUAAAAFAAAAAEAAAAAAAAAZAAAAGQAAAAAAAAAZAAAAGQAAAAVAAAAYAAAAAAAAAAAAAAADwAAACADAAAAAAAAAAAAAAEAAACgMgAAVgcAAKr4//8BAAAAf39/AAEAAABkAAAAAAAAABQAAABAHwAAAAAAACYAAAAAAAAAwOD//wAAAAAmAAAAZAAAABYAAABMAAAAAAAAAAAAAAAEAAAAAAAAAAEAAACAgIAKAAAAACgAAAAoAAAAZAAAAGQAAAAAAAAAzMzMAAAAAABQAAAAUAAAAGQAAABkAAAAAAAAABcAAAAUAAAAAAAAAAAAAAD/fwAA/38AAAAAAAAJAAAABAAAAAEAAAAMAAAAEAAAAAAAAAAAAAAAAAAAAAAAAAAeAAAAaAAAAAAAAAAAAAAAAAAAAAAAAAAAAAAAECcAABAnAAAAAAAAAAAAAAAAAAAAAAAAAAAAAAAAAAAAAAAAAAAAABQAAAAAAAAAwMD/AAAAAABkAAAAMgAAAAAAAABkAAAAAAAAAH9/fwAKAAAAHwAAAFQAAAC74OMF////AQAAAAAAAAAAAAAAAAAAAAAAAAAAAAAAAAAAAAAAAAAAAAAAAn9/fwCAgIADzMzMAMDA/wB/f38AAAAAAAAAAAAAAAAAAAAAAAAAAAAhAAAAGAAAABQAAABqBAAAiAMAABY0AAAoBwAAEAAAACYAAAAIAAAA//////////8="/>
+                <pr:smNativeData xmlns:pr="smNativeData" val="SMDATA_13_gcGAXRMAAAAlAAAAZAAAAA8BAAAAkAAAAEgAAACQAAAASAAAAAAAAAABAAAAAAAAAAEAAABQAAAAAAAAAAAA4D8AAAAAAADgPwAAAAAAAOA/AAAAAAAA4D8AAAAAAADgPwAAAAAAAOA/AAAAAAAA4D8AAAAAAADgPwAAAAAAAOA/AAAAAAAA4D8CAAAAjAAAAAAAAAAAAAAAu+DjDP///wgAAAAAAAAAAAAAAAAAAAAAAAAAAAAAAAAAAAAAZAAAAAEAAABAAAAAAAAAAAAAAAAAAAAAAAAAAAAAAAAAAAAAAAAAAAAAAAAAAAAAAAAAAAAAAAAAAAAAAAAAAAAAAAAAAAAAAAAAAAAAAAAAAAAAAAAAAAAAAAAAAAAAFAAAADwAAAAAAAAAAAAAAAAAAAkUAAAAAQAAABQAAAAUAAAAFAAAAAEAAAAAAAAAZAAAAGQAAAAAAAAAZAAAAGQAAAAVAAAAYAAAAAAAAAAAAAAADwAAACADAAAAAAAAAAAAAAEAAACgMgAAVgcAAKr4//8BAAAAf39/AAEAAABkAAAAAAAAABQAAABAHwAAAAAAACYAAAAAAAAAwOD//wAAAAAmAAAAZAAAABYAAABMAAAAAAAAAAAAAAAEAAAAAAAAAAEAAACAgIAKAAAAACgAAAAoAAAAZAAAAGQAAAAAAAAAzMzMAAAAAABQAAAAUAAAAGQAAABkAAAAAAAAABcAAAAUAAAAAAAAAAAAAAD/fwAA/38AAAAAAAAJAAAABAAAAAEAAAAMAAAAEAAAAAAAAAAAAAAAAAAAAAAAAAAeAAAAaAAAAAAAAAAAAAAAAAAAAAAAAAAAAAAAECcAABAnAAAAAAAAAAAAAAAAAAAAAAAAAAAAAAAAAAAAAAAAAAAAABQAAAAAAAAAwMD/AAAAAABkAAAAMgAAAAAAAABkAAAAAAAAAH9/fwAKAAAAHwAAAFQAAAC74OMF////AQAAAAAAAAAAAAAAAAAAAAAAAAAAAAAAAAAAAAAAAAAAAAAAAn9/fwCAgIADzMzMAMDA/wB/f38AAAAAAAAAAAAAAAAAAAAAAAAAAAAhAAAAGAAAABQAAABqBAAAiAMAABY0AAAoBwAAEAAAACYAAAAIAAAA//////////8="/>
               </a:ext>
             </a:extLst>
           </p:cNvSpPr>
@@ -4028,7 +4028,7 @@
           <p:cNvSpPr txBox="1">
             <a:extLst>
               <a:ext uri="smNativeData">
-                <pr:smNativeData xmlns:pr="smNativeData" val="SMDATA_13_IrKAXRMAAAAlAAAAEgAAAE8BAAAAkAAAAEgAAACQAAAASAAAAAAAAAAAAAAAAAAAAAEAAABQAAAAAAAAAAAA4D8AAAAAAADgPwAAAAAAAOA/AAAAAAAA4D8AAAAAAADgPwAAAAAAAOA/AAAAAAAA4D8AAAAAAADgPwAAAAAAAOA/AAAAAAAA4D8CAAAAjAAAAAAAAAAAAAAAu+DjDP///wgAAAAAAAAAAAAAAAAAAAAAAAAAAAAAAAAAAAAAZAAAAAEAAABAAAAAAAAAAAAAAAAAAAAAAAAAAAAAAAAAAAAAAAAAAAAAAAAAAAAAAAAAAAAAAAAAAAAAAAAAAAAAAAAAAAAAAAAAAAAAAAAAAAAAAAAAAAAAAAAAAAAAFAAAADwAAAAAAAAAAAAAAAAAAAkUAAAAAQAAABQAAAAUAAAAFAAAAAEAAAAAAAAAZAAAAGQAAAAAAAAAZAAAAGQAAAAVAAAAYAAAAAAAAAAAAAAADwAAACADAAAAAAAAAAAAAAEAAACgMgAAVgcAAKr4//8BAAAAf39/AAEAAABkAAAAAAAAABQAAABAHwAAAAAAACYAAAAAAAAAwOD//wAAAAAmAAAAZAAAABYAAABMAAAAAAAAAAAAAAAEAAAAAAAAAAEAAACAgIAKAAAAACgAAAAoAAAAZAAAAGQAAAAAAAAAzMzMAAAAAABQAAAAUAAAAGQAAABkAAAAAAAAABcAAAAUAAAAAAAAANwIAAD/fwAA/38AAAAAAAAJAAAABAAAAAAAAAAMAAAAEAAAAAAAAAAAAAAAAAAAAAAAAAAeAAAAaAAAAAAAAAAAAAAAAAAAAAAAAAAAAAAAECcAABAnAAAAAAAAAAAAAAAAAAAAAAAAAAAAAAAAAAAAAAAAAAAAABQAAAAAAAAAwMD/AAAAAABkAAAAMgAAAAAAAABkAAAAAAAAAH9/fwAKAAAAHwAAAFQAAAC74OMF////AQAAAAAAAAAAAAAAAAAAAAAAAAAAAAAAAAAAAAAAAAAAAAAAAn9/fwCAgIADzMzMAMDA/wB/f38AAAAAAAAAAAAAAAAAAAAAAAAAAAAhAAAAGAAAABQAAADfBgAAtg4AALsPAACmEgAAECAAACYAAAAIAAAA//////////8="/>
+                <pr:smNativeData xmlns:pr="smNativeData" val="SMDATA_13_gcGAXRMAAAAlAAAAEgAAAE8BAAAAkAAAAEgAAACQAAAASAAAAAAAAAAAAAAAAAAAAAEAAABQAAAAAAAAAAAA4D8AAAAAAADgPwAAAAAAAOA/AAAAAAAA4D8AAAAAAADgPwAAAAAAAOA/AAAAAAAA4D8AAAAAAADgPwAAAAAAAOA/AAAAAAAA4D8CAAAAjAAAAAAAAAAAAAAAu+DjDP///wgAAAAAAAAAAAAAAAAAAAAAAAAAAAAAAAAAAAAAZAAAAAEAAABAAAAAAAAAAAAAAAAAAAAAAAAAAAAAAAAAAAAAAAAAAAAAAAAAAAAAAAAAAAAAAAAAAAAAAAAAAAAAAAAAAAAAAAAAAAAAAAAAAAAAAAAAAAAAAAAAAAAAFAAAADwAAAAAAAAAAAAAAAAAAAkUAAAAAQAAABQAAAAUAAAAFAAAAAEAAAAAAAAAZAAAAGQAAAAAAAAAZAAAAGQAAAAVAAAAYAAAAAAAAAAAAAAADwAAACADAAAAAAAAAAAAAAEAAACgMgAAVgcAAKr4//8BAAAAf39/AAEAAABkAAAAAAAAABQAAABAHwAAAAAAACYAAAAAAAAAwOD//wAAAAAmAAAAZAAAABYAAABMAAAAAAAAAAAAAAAEAAAAAAAAAAEAAACAgIAKAAAAACgAAAAoAAAAZAAAAGQAAAAAAAAAzMzMAAAAAABQAAAAUAAAAGQAAABkAAAAAAAAABcAAAAUAAAAAAAAANwIAAD/fwAA/38AAAAAAAAJAAAABAAAAAAAAAAMAAAAEAAAAAAAAAAAAAAAAAAAAAAAAAAeAAAAaAAAAAAAAAAAAAAAAAAAAAAAAAAAAAAAECcAABAnAAAAAAAAAAAAAAAAAAAAAAAAAAAAAAAAAAAAAAAAAAAAABQAAAAAAAAAwMD/AAAAAABkAAAAMgAAAAAAAABkAAAAAAAAAH9/fwAKAAAAHwAAAFQAAAC74OMF////AQAAAAAAAAAAAAAAAAAAAAAAAAAAAAAAAAAAAAAAAAAAAAAAAn9/fwCAgIADzMzMAMDA/wB/f38AAAAAAAAAAAAAAAAAAAAAAAAAAAAhAAAAGAAAABQAAADfBgAAtg4AALsPAACmEgAAECAAACYAAAAIAAAA//////////8="/>
               </a:ext>
             </a:extLst>
           </p:cNvSpPr>
@@ -4074,7 +4074,7 @@
           <p:cNvSpPr txBox="1">
             <a:extLst>
               <a:ext uri="smNativeData">
-                <pr:smNativeData xmlns:pr="smNativeData" val="SMDATA_13_IrKAXRMAAAAlAAAAEgAAAE8BAAAAkAAAAEgAAACQAAAASAAAAAAAAAAAAAAAAAAAAAEAAABQAAAAAAAAAAAA4D8AAAAAAADgPwAAAAAAAOA/AAAAAAAA4D8AAAAAAADgPwAAAAAAAOA/AAAAAAAA4D8AAAAAAADgPwAAAAAAAOA/AAAAAAAA4D8CAAAAjAAAAAAAAAAAAAAAu+DjDP///wgAAAAAAAAAAAAAAAAAAAAAAAAAAAAAAAAAAAAAZAAAAAEAAABAAAAAAAAAAAAAAAAAAAAAAAAAAAAAAAAAAAAAAAAAAAAAAAAAAAAAAAAAAAAAAAAAAAAAAAAAAAAAAAAAAAAAAAAAAAAAAAAAAAAAAAAAAAAAAAAAAAAAFAAAADwAAAAAAAAAAAAAAAAAAAkUAAAAAQAAABQAAAAUAAAAFAAAAAEAAAAAAAAAZAAAAGQAAAAAAAAAZAAAAGQAAAAVAAAAYAAAAAAAAAAAAAAADwAAACADAAAAAAAAAAAAAAEAAACgMgAAVgcAAKr4//8BAAAAf39/AAEAAABkAAAAAAAAABQAAABAHwAAAAAAACYAAAAAAAAAwOD//wAAAAAmAAAAZAAAABYAAABMAAAAAAAAAAAAAAAEAAAAAAAAAAEAAACAgIAKAAAAACgAAAAoAAAAZAAAAGQAAAAAAAAAzMzMAAAAAABQAAAAUAAAAGQAAABkAAAAAAAAABcAAAAUAAAAAAAAANwIAAD/fwAA/38AAAAAAAAJAAAABAAAAAAAAAAMAAAAEAAAAAAAAAAAAAAAAAAAAAAAAAAeAAAAaAAAAAAAAAAAAAAAAAAAAAAAAAAAAAAAECcAABAnAAAAAAAAAAAAAAAAAAAAAAAAAAAAAAAAAAAAAAAAAAAAABQAAAAAAAAAwMD/AAAAAABkAAAAMgAAAAAAAABkAAAAAAAAAH9/fwAKAAAAHwAAAFQAAAC74OMF////AQAAAAAAAAAAAAAAAAAAAAAAAAAAAAAAAAAAAAAAAAAAAAAAAn9/fwCAgIADzMzMAMDA/wB/f38AAAAAAAAAAAAAAAAAAAAAAAAAAAAhAAAAGAAAABQAAABcFAAAohIAADgdAADSGAAAECAAACYAAAAIAAAA//////////8="/>
+                <pr:smNativeData xmlns:pr="smNativeData" val="SMDATA_13_gcGAXRMAAAAlAAAAEgAAAE8BAAAAkAAAAEgAAACQAAAASAAAAAAAAAAAAAAAAAAAAAEAAABQAAAAAAAAAAAA4D8AAAAAAADgPwAAAAAAAOA/AAAAAAAA4D8AAAAAAADgPwAAAAAAAOA/AAAAAAAA4D8AAAAAAADgPwAAAAAAAOA/AAAAAAAA4D8CAAAAjAAAAAAAAAAAAAAAu+DjDP///wgAAAAAAAAAAAAAAAAAAAAAAAAAAAAAAAAAAAAAZAAAAAEAAABAAAAAAAAAAAAAAAAAAAAAAAAAAAAAAAAAAAAAAAAAAAAAAAAAAAAAAAAAAAAAAAAAAAAAAAAAAAAAAAAAAAAAAAAAAAAAAAAAAAAAAAAAAAAAAAAAAAAAFAAAADwAAAAAAAAAAAAAAAAAAAkUAAAAAQAAABQAAAAUAAAAFAAAAAEAAAAAAAAAZAAAAGQAAAAAAAAAZAAAAGQAAAAVAAAAYAAAAAAAAAAAAAAADwAAACADAAAAAAAAAAAAAAEAAACgMgAAVgcAAKr4//8BAAAAf39/AAEAAABkAAAAAAAAABQAAABAHwAAAAAAACYAAAAAAAAAwOD//wAAAAAmAAAAZAAAABYAAABMAAAAAAAAAAAAAAAEAAAAAAAAAAEAAACAgIAKAAAAACgAAAAoAAAAZAAAAGQAAAAAAAAAzMzMAAAAAABQAAAAUAAAAGQAAABkAAAAAAAAABcAAAAUAAAAAAAAANwIAAD/fwAA/38AAAAAAAAJAAAABAAAAAAAAAAMAAAAEAAAAAAAAAAAAAAAAAAAAAAAAAAeAAAAaAAAAAAAAAAAAAAAAAAAAAAAAAAAAAAAECcAABAnAAAAAAAAAAAAAAAAAAAAAAAAAAAAAAAAAAAAAAAAAAAAABQAAAAAAAAAwMD/AAAAAABkAAAAMgAAAAAAAABkAAAAAAAAAH9/fwAKAAAAHwAAAFQAAAC74OMF////AQAAAAAAAAAAAAAAAAAAAAAAAAAAAAAAAAAAAAAAAAAAAAAAAn9/fwCAgIADzMzMAMDA/wB/f38AAAAAAAAAAAAAAAAAAAAAAAAAAAAhAAAAGAAAABQAAABcFAAAohIAADgdAADSGAAAECAAACYAAAAIAAAA//////////8="/>
               </a:ext>
             </a:extLst>
           </p:cNvSpPr>
@@ -4129,7 +4129,7 @@
           <p:cNvSpPr txBox="1">
             <a:extLst>
               <a:ext uri="smNativeData">
-                <pr:smNativeData xmlns:pr="smNativeData" val="SMDATA_13_IrKAXRMAAAAlAAAAEgAAAA8BAAAAkAAAAEgAAACQAAAASAAAAAAAAAAAAAAAAAAAAAEAAABQAAAAAAAAAAAA4D8AAAAAAADgPwAAAAAAAOA/AAAAAAAA4D8AAAAAAADgPwAAAAAAAOA/AAAAAAAA4D8AAAAAAADgPwAAAAAAAOA/AAAAAAAA4D8CAAAAjAAAAAAAAAAAAAAAu+DjDP///wgAAAAAAAAAAAAAAAAAAAAAAAAAAAAAAAAAAAAAZAAAAAEAAABAAAAAAAAAAAAAAAAAAAAAAAAAAAAAAAAAAAAAAAAAAAAAAAAAAAAAAAAAAAAAAAAAAAAAAAAAAAAAAAAAAAAAAAAAAAAAAAAAAAAAAAAAAAAAAAAAAAAAFAAAADwAAAAAAAAAAAAAAAAAAAkUAAAAAQAAABQAAAAUAAAAFAAAAAEAAAAAAAAAZAAAAGQAAAAAAAAAZAAAAGQAAAAVAAAAYAAAAAAAAAAAAAAADwAAACADAAAAAAAAAAAAAAEAAACgMgAAVgcAAKr4//8BAAAAf39/AAEAAABkAAAAAAAAABQAAABAHwAAAAAAACYAAAAAAAAAwOD//wAAAAAmAAAAZAAAABYAAABMAAAAAAAAAAAAAAAEAAAAAAAAAAEAAACAgIAKAAAAACgAAAAoAAAAZAAAAGQAAAAAAAAAzMzMAAAAAABQAAAAUAAAAGQAAABkAAAAAAAAABcAAAAUAAAAAAAAANwIAAD/fwAA/38AAAAAAAAJAAAABAAAAAAAAAAMAAAAEAAAAAAAAAAAAAAAAAAAAAAAAAAeAAAAaAAAAAAAAAAAAAAAAAAAAAAAAAAAAAAAECcAABAnAAAAAAAAAAAAAAAAAAAAAAAAAAAAAAAAAAAAAAAAAAAAABQAAAAAAAAAwMD/AAAAAABkAAAAMgAAAAAAAABkAAAAAAAAAH9/fwAKAAAAHwAAAFQAAAC74OMF////AQAAAAAAAAAAAAAAAAAAAAAAAAAAAAAAAAAAAAAAAAAAAAAAAn9/fwCAgIADzMzMAMDA/wB/f38AAAAAAAAAAAAAAAAAAAAAAAAAAAAhAAAAGAAAABQAAAD7HwAArxIAANcoAACKFwAAEAAAACYAAAAIAAAA//////////8="/>
+                <pr:smNativeData xmlns:pr="smNativeData" val="SMDATA_13_gcGAXRMAAAAlAAAAEgAAAA8BAAAAkAAAAEgAAACQAAAASAAAAAAAAAAAAAAAAAAAAAEAAABQAAAAAAAAAAAA4D8AAAAAAADgPwAAAAAAAOA/AAAAAAAA4D8AAAAAAADgPwAAAAAAAOA/AAAAAAAA4D8AAAAAAADgPwAAAAAAAOA/AAAAAAAA4D8CAAAAjAAAAAAAAAAAAAAAu+DjDP///wgAAAAAAAAAAAAAAAAAAAAAAAAAAAAAAAAAAAAAZAAAAAEAAABAAAAAAAAAAAAAAAAAAAAAAAAAAAAAAAAAAAAAAAAAAAAAAAAAAAAAAAAAAAAAAAAAAAAAAAAAAAAAAAAAAAAAAAAAAAAAAAAAAAAAAAAAAAAAAAAAAAAAFAAAADwAAAAAAAAAAAAAAAAAAAkUAAAAAQAAABQAAAAUAAAAFAAAAAEAAAAAAAAAZAAAAGQAAAAAAAAAZAAAAGQAAAAVAAAAYAAAAAAAAAAAAAAADwAAACADAAAAAAAAAAAAAAEAAACgMgAAVgcAAKr4//8BAAAAf39/AAEAAABkAAAAAAAAABQAAABAHwAAAAAAACYAAAAAAAAAwOD//wAAAAAmAAAAZAAAABYAAABMAAAAAAAAAAAAAAAEAAAAAAAAAAEAAACAgIAKAAAAACgAAAAoAAAAZAAAAGQAAAAAAAAAzMzMAAAAAABQAAAAUAAAAGQAAABkAAAAAAAAABcAAAAUAAAAAAAAANwIAAD/fwAA/38AAAAAAAAJAAAABAAAAAAAAAAMAAAAEAAAAAAAAAAAAAAAAAAAAAAAAAAeAAAAaAAAAAAAAAAAAAAAAAAAAAAAAAAAAAAAECcAABAnAAAAAAAAAAAAAAAAAAAAAAAAAAAAAAAAAAAAAAAAAAAAABQAAAAAAAAAwMD/AAAAAABkAAAAMgAAAAAAAABkAAAAAAAAAH9/fwAKAAAAHwAAAFQAAAC74OMF////AQAAAAAAAAAAAAAAAAAAAAAAAAAAAAAAAAAAAAAAAAAAAAAAAn9/fwCAgIADzMzMAMDA/wB/f38AAAAAAAAAAAAAAAAAAAAAAAAAAAAhAAAAGAAAABQAAAD7HwAArxIAANcoAACKFwAAEAAAACYAAAAIAAAA//////////8="/>
               </a:ext>
             </a:extLst>
           </p:cNvSpPr>
@@ -4184,7 +4184,7 @@
           <p:cNvSpPr txBox="1">
             <a:extLst>
               <a:ext uri="smNativeData">
-                <pr:smNativeData xmlns:pr="smNativeData" val="SMDATA_13_IrKAXRMAAAAlAAAAEgAAAA8BAAAAkAAAAEgAAACQAAAASAAAAAAAAAAAAAAAAAAAAAEAAABQAAAAAAAAAAAA4D8AAAAAAADgPwAAAAAAAOA/AAAAAAAA4D8AAAAAAADgPwAAAAAAAOA/AAAAAAAA4D8AAAAAAADgPwAAAAAAAOA/AAAAAAAA4D8CAAAAjAAAAAAAAAAAAAAAu+DjDP///wgAAAAAAAAAAAAAAAAAAAAAAAAAAAAAAAAAAAAAZAAAAAEAAABAAAAAAAAAAAAAAAAAAAAAAAAAAAAAAAAAAAAAAAAAAAAAAAAAAAAAAAAAAAAAAAAAAAAAAAAAAAAAAAAAAAAAAAAAAAAAAAAAAAAAAAAAAAAAAAAAAAAAFAAAADwAAAAAAAAAAAAAAAAAAAkUAAAAAQAAABQAAAAUAAAAFAAAAAEAAAAAAAAAZAAAAGQAAAAAAAAAZAAAAGQAAAAVAAAAYAAAAAAAAAAAAAAADwAAACADAAAAAAAAAAAAAAEAAACgMgAAVgcAAKr4//8BAAAAf39/AAEAAABkAAAAAAAAABQAAABAHwAAAAAAACYAAAAAAAAAwOD//wAAAAAmAAAAZAAAABYAAABMAAAAAAAAAAAAAAAEAAAAAAAAAAEAAACAgIAKAAAAACgAAAAoAAAAZAAAAGQAAAAAAAAAzMzMAAAAAABQAAAAUAAAAGQAAABkAAAAAAAAABcAAAAUAAAAAAAAANwIAAD/fwAA/38AAAAAAAAJAAAABAAAAAAAAAAMAAAAEAAAAAAAAAAAAAAAAAAAAAAAAAAeAAAAaAAAAAAAAAAAAAAAAAAAAAAAAAAAAAAAECcAABAnAAAAAAAAAAAAAAAAAAAAAAAAAAAAAAAAAAAAAAAAAAAAABQAAAAAAAAAwMD/AAAAAABkAAAAMgAAAAAAAABkAAAAAAAAAH9/fwAKAAAAHwAAAFQAAAC74OMF////AQAAAAAAAAAAAAAAAAAAAAAAAAAAAAAAAAAAAAAAAAAAAAAAAn9/fwCAgIADzMzMAMDA/wB/f38AAAAAAAAAAAAAAAAAAAAAAAAAAAAhAAAAGAAAABQAAADRKgAA1w4AABY0AACYFAAAEAAAACYAAAAIAAAA//////////8="/>
+                <pr:smNativeData xmlns:pr="smNativeData" val="SMDATA_13_gcGAXRMAAAAlAAAAEgAAAA8BAAAAkAAAAEgAAACQAAAASAAAAAAAAAAAAAAAAAAAAAEAAABQAAAAAAAAAAAA4D8AAAAAAADgPwAAAAAAAOA/AAAAAAAA4D8AAAAAAADgPwAAAAAAAOA/AAAAAAAA4D8AAAAAAADgPwAAAAAAAOA/AAAAAAAA4D8CAAAAjAAAAAAAAAAAAAAAu+DjDP///wgAAAAAAAAAAAAAAAAAAAAAAAAAAAAAAAAAAAAAZAAAAAEAAABAAAAAAAAAAAAAAAAAAAAAAAAAAAAAAAAAAAAAAAAAAAAAAAAAAAAAAAAAAAAAAAAAAAAAAAAAAAAAAAAAAAAAAAAAAAAAAAAAAAAAAAAAAAAAAAAAAAAAFAAAADwAAAAAAAAAAAAAAAAAAAkUAAAAAQAAABQAAAAUAAAAFAAAAAEAAAAAAAAAZAAAAGQAAAAAAAAAZAAAAGQAAAAVAAAAYAAAAAAAAAAAAAAADwAAACADAAAAAAAAAAAAAAEAAACgMgAAVgcAAKr4//8BAAAAf39/AAEAAABkAAAAAAAAABQAAABAHwAAAAAAACYAAAAAAAAAwOD//wAAAAAmAAAAZAAAABYAAABMAAAAAAAAAAAAAAAEAAAAAAAAAAEAAACAgIAKAAAAACgAAAAoAAAAZAAAAGQAAAAAAAAAzMzMAAAAAABQAAAAUAAAAGQAAABkAAAAAAAAABcAAAAUAAAAAAAAANwIAAD/fwAA/38AAAAAAAAJAAAABAAAAAAAAAAMAAAAEAAAAAAAAAAAAAAAAAAAAAAAAAAeAAAAaAAAAAAAAAAAAAAAAAAAAAAAAAAAAAAAECcAABAnAAAAAAAAAAAAAAAAAAAAAAAAAAAAAAAAAAAAAAAAAAAAABQAAAAAAAAAwMD/AAAAAABkAAAAMgAAAAAAAABkAAAAAAAAAH9/fwAKAAAAHwAAAFQAAAC74OMF////AQAAAAAAAAAAAAAAAAAAAAAAAAAAAAAAAAAAAAAAAAAAAAAAAn9/fwCAgIADzMzMAMDA/wB/f38AAAAAAAAAAAAAAAAAAAAAAAAAAAAhAAAAGAAAABQAAADRKgAA1w4AABY0AACYFAAAEAAAACYAAAAIAAAA//////////8="/>
               </a:ext>
             </a:extLst>
           </p:cNvSpPr>
@@ -4236,7 +4236,7 @@
           <p:cNvSpPr txBox="1">
             <a:extLst>
               <a:ext uri="smNativeData">
-                <pr:smNativeData xmlns:pr="smNativeData" val="SMDATA_13_IrKAXRMAAAAlAAAAEgAAAA8BAAAAkAAAAEgAAACQAAAASAAAAAAAAAAAAAAAAAAAAAEAAABQAAAAAAAAAAAA4D8AAAAAAADgPwAAAAAAAOA/AAAAAAAA4D8AAAAAAADgPwAAAAAAAOA/AAAAAAAA4D8AAAAAAADgPwAAAAAAAOA/AAAAAAAA4D8CAAAAjAAAAAAAAAAAAAAAu+DjDP///wgAAAAAAAAAAAAAAAAAAAAAAAAAAAAAAAAAAAAAZAAAAAEAAABAAAAAAAAAAAAAAAAAAAAAAAAAAAAAAAAAAAAAAAAAAAAAAAAAAAAAAAAAAAAAAAAAAAAAAAAAAAAAAAAAAAAAAAAAAAAAAAAAAAAAAAAAAAAAAAAAAAAAFAAAADwAAAAAAAAAAAAAAAAAAAkUAAAAAQAAABQAAAAUAAAAFAAAAAEAAAAAAAAAZAAAAGQAAAAAAAAAZAAAAGQAAAAVAAAAYAAAAAAAAAAAAAAADwAAACADAAAAAAAAAAAAAAEAAACgMgAAVgcAAKr4//8BAAAAf39/AAEAAABkAAAAAAAAABQAAABAHwAAAAAAACYAAAAAAAAAwOD//wAAAAAmAAAAZAAAABYAAABMAAAAAAAAAAAAAAAEAAAAAAAAAAEAAACAgIAKAAAAACgAAAAoAAAAZAAAAGQAAAAAAAAAzMzMAAAAAABQAAAAUAAAAGQAAABkAAAAAAAAABcAAAAUAAAAAAAAANwIAAD/fwAA/38AAAAAAAAJAAAABAAAAAAAAAAMAAAAEAAAAAAAAAAAAAAAAAAAAAAAAAAeAAAAaAAAAAAAAAAAAAAAAAAAAAAAAAAAAAAAECcAABAnAAAAAAAAAAAAAAAAAAAAAAAAAAAAAAAAAAAAAAAAAAAAABQAAAAAAAAAwMD/AAAAAABkAAAAMgAAAAAAAABkAAAAAAAAAH9/fwAKAAAAHwAAAFQAAAC74OMF////AQAAAAAAAAAAAAAAAAAAAAAAAAAAAAAAAAAAAAAAAAAAAAAAAn9/fwCAgIADzMzMAMDA/wB/f38AAAAAAAAAAAAAAAAAAAAAAAAAAAAhAAAAGAAAABQAAACjGQAAqyAAAMojAABUJwAAEAAAACYAAAAIAAAA//////////8="/>
+                <pr:smNativeData xmlns:pr="smNativeData" val="SMDATA_13_gcGAXRMAAAAlAAAAEgAAAA8BAAAAkAAAAEgAAACQAAAASAAAAAAAAAAAAAAAAAAAAAEAAABQAAAAAAAAAAAA4D8AAAAAAADgPwAAAAAAAOA/AAAAAAAA4D8AAAAAAADgPwAAAAAAAOA/AAAAAAAA4D8AAAAAAADgPwAAAAAAAOA/AAAAAAAA4D8CAAAAjAAAAAAAAAAAAAAAu+DjDP///wgAAAAAAAAAAAAAAAAAAAAAAAAAAAAAAAAAAAAAZAAAAAEAAABAAAAAAAAAAAAAAAAAAAAAAAAAAAAAAAAAAAAAAAAAAAAAAAAAAAAAAAAAAAAAAAAAAAAAAAAAAAAAAAAAAAAAAAAAAAAAAAAAAAAAAAAAAAAAAAAAAAAAFAAAADwAAAAAAAAAAAAAAAAAAAkUAAAAAQAAABQAAAAUAAAAFAAAAAEAAAAAAAAAZAAAAGQAAAAAAAAAZAAAAGQAAAAVAAAAYAAAAAAAAAAAAAAADwAAACADAAAAAAAAAAAAAAEAAACgMgAAVgcAAKr4//8BAAAAf39/AAEAAABkAAAAAAAAABQAAABAHwAAAAAAACYAAAAAAAAAwOD//wAAAAAmAAAAZAAAABYAAABMAAAAAAAAAAAAAAAEAAAAAAAAAAEAAACAgIAKAAAAACgAAAAoAAAAZAAAAGQAAAAAAAAAzMzMAAAAAABQAAAAUAAAAGQAAABkAAAAAAAAABcAAAAUAAAAAAAAANwIAAD/fwAA/38AAAAAAAAJAAAABAAAAAAAAAAMAAAAEAAAAAAAAAAAAAAAAAAAAAAAAAAeAAAAaAAAAAAAAAAAAAAAAAAAAAAAAAAAAAAAECcAABAnAAAAAAAAAAAAAAAAAAAAAAAAAAAAAAAAAAAAAAAAAAAAABQAAAAAAAAAwMD/AAAAAABkAAAAMgAAAAAAAABkAAAAAAAAAH9/fwAKAAAAHwAAAFQAAAC74OMF////AQAAAAAAAAAAAAAAAAAAAAAAAAAAAAAAAAAAAAAAAAAAAAAAAn9/fwCAgIADzMzMAMDA/wB/f38AAAAAAAAAAAAAAAAAAAAAAAAAAAAhAAAAGAAAABQAAACjGQAAqyAAAMojAABUJwAAEAAAACYAAAAIAAAA//////////8="/>
               </a:ext>
             </a:extLst>
           </p:cNvSpPr>
@@ -4326,7 +4326,7 @@
           <p:cNvSpPr txBox="1">
             <a:extLst>
               <a:ext uri="smNativeData">
-                <pr:smNativeData xmlns:pr="smNativeData" val="SMDATA_13_IrKAXRMAAAAlAAAAEgAAAE8BAAAAkAAAAEgAAACQAAAASAAAAAAAAAAAAAAAAAAAAAEAAABQAAAAAAAAAAAA4D8AAAAAAADgPwAAAAAAAOA/AAAAAAAA4D8AAAAAAADgPwAAAAAAAOA/AAAAAAAA4D8AAAAAAADgPwAAAAAAAOA/AAAAAAAA4D8CAAAAjAAAAAAAAAAAAAAAu+DjDP///wgAAAAAAAAAAAAAAAAAAAAAAAAAAAAAAAAAAAAAZAAAAAEAAABAAAAAAAAAAAAAAAAAAAAAAAAAAAAAAAAAAAAAAAAAAAAAAAAAAAAAAAAAAAAAAAAAAAAAAAAAAAAAAAAAAAAAAAAAAAAAAAAAAAAAAAAAAAAAAAAAAAAAFAAAADwAAAAAAAAAAAAAAAAAAAkUAAAAAQAAABQAAAAUAAAAFAAAAAEAAAAAAAAAZAAAAGQAAAAAAAAAZAAAAGQAAAAVAAAAYAAAAAAAAAAAAAAADwAAACADAAAAAAAAAAAAAAEAAACgMgAAVgcAAKr4//8BAAAAf39/AAEAAABkAAAAAAAAABQAAABAHwAAAAAAACYAAAAAAAAAwOD//wAAAAAmAAAAZAAAABYAAABMAAAAAAAAAAAAAAAEAAAAAAAAAAEAAACAgIAKAAAAACgAAAAoAAAAZAAAAGQAAAAAAAAAzMzMAAAAAABQAAAAUAAAAGQAAABkAAAAAAAAABcAAAAUAAAAAAAAANwIAAD/fwAA/38AAAAAAAAJAAAABAAAAAAAAAAMAAAAEAAAAAAAAAAAAAAAAAAAAAAAAAAeAAAAaAAAAAAAAAAAAAAAAAAAAAAAAAAAAAAAECcAABAnAAAAAAAAAAAAAAAAAAAAAAAAAAAAAAAAAAAAAAAAAAAAABQAAAAAAAAAwMD/AAAAAABkAAAAMgAAAAAAAABkAAAAAAAAAH9/fwAKAAAAHwAAAFQAAAC74OMF////AQAAAAAAAAAAAAAAAAAAAAAAAAAAAAAAAAAAAAAAAAAAAAAAAn9/fwCAgIADzMzMAMDA/wB/f38AAAAAAAAAAAAAAAAAAAAAAAAAAAAhAAAAGAAAABQAAAAVDQAAqBYAAGkSAADoGAAAECAAACYAAAAIAAAA//////////8="/>
+                <pr:smNativeData xmlns:pr="smNativeData" val="SMDATA_13_gcGAXRMAAAAlAAAAEgAAAE8BAAAAkAAAAEgAAACQAAAASAAAAAAAAAAAAAAAAAAAAAEAAABQAAAAAAAAAAAA4D8AAAAAAADgPwAAAAAAAOA/AAAAAAAA4D8AAAAAAADgPwAAAAAAAOA/AAAAAAAA4D8AAAAAAADgPwAAAAAAAOA/AAAAAAAA4D8CAAAAjAAAAAAAAAAAAAAAu+DjDP///wgAAAAAAAAAAAAAAAAAAAAAAAAAAAAAAAAAAAAAZAAAAAEAAABAAAAAAAAAAAAAAAAAAAAAAAAAAAAAAAAAAAAAAAAAAAAAAAAAAAAAAAAAAAAAAAAAAAAAAAAAAAAAAAAAAAAAAAAAAAAAAAAAAAAAAAAAAAAAAAAAAAAAFAAAADwAAAAAAAAAAAAAAAAAAAkUAAAAAQAAABQAAAAUAAAAFAAAAAEAAAAAAAAAZAAAAGQAAAAAAAAAZAAAAGQAAAAVAAAAYAAAAAAAAAAAAAAADwAAACADAAAAAAAAAAAAAAEAAACgMgAAVgcAAKr4//8BAAAAf39/AAEAAABkAAAAAAAAABQAAABAHwAAAAAAACYAAAAAAAAAwOD//wAAAAAmAAAAZAAAABYAAABMAAAAAAAAAAAAAAAEAAAAAAAAAAEAAACAgIAKAAAAACgAAAAoAAAAZAAAAGQAAAAAAAAAzMzMAAAAAABQAAAAUAAAAGQAAABkAAAAAAAAABcAAAAUAAAAAAAAANwIAAD/fwAA/38AAAAAAAAJAAAABAAAAAAAAAAMAAAAEAAAAAAAAAAAAAAAAAAAAAAAAAAeAAAAaAAAAAAAAAAAAAAAAAAAAAAAAAAAAAAAECcAABAnAAAAAAAAAAAAAAAAAAAAAAAAAAAAAAAAAAAAAAAAAAAAABQAAAAAAAAAwMD/AAAAAABkAAAAMgAAAAAAAABkAAAAAAAAAH9/fwAKAAAAHwAAAFQAAAC74OMF////AQAAAAAAAAAAAAAAAAAAAAAAAAAAAAAAAAAAAAAAAAAAAAAAAn9/fwCAgIADzMzMAMDA/wB/f38AAAAAAAAAAAAAAAAAAAAAAAAAAAAhAAAAGAAAABQAAAAVDQAAqBYAAGkSAADoGAAAECAAACYAAAAIAAAA//////////8="/>
               </a:ext>
             </a:extLst>
           </p:cNvSpPr>
@@ -4372,7 +4372,7 @@
           <p:cNvSpPr txBox="1">
             <a:extLst>
               <a:ext uri="smNativeData">
-                <pr:smNativeData xmlns:pr="smNativeData" val="SMDATA_13_IrKAXRMAAAAlAAAAEgAAAE8BAAAAkAAAAEgAAACQAAAASAAAAAAAAAAAAAAAAAAAAAEAAABQAAAAAAAAAAAA4D8AAAAAAADgPwAAAAAAAOA/AAAAAAAA4D8AAAAAAADgPwAAAAAAAOA/AAAAAAAA4D8AAAAAAADgPwAAAAAAAOA/AAAAAAAA4D8CAAAAjAAAAAAAAAAAAAAAu+DjDP///wgAAAAAAAAAAAAAAAAAAAAAAAAAAAAAAAAAAAAAZAAAAAEAAABAAAAAAAAAAAAAAAAAAAAAAAAAAAAAAAAAAAAAAAAAAAAAAAAAAAAAAAAAAAAAAAAAAAAAAAAAAAAAAAAAAAAAAAAAAAAAAAAAAAAAAAAAAAAAAAAAAAAAFAAAADwAAAAAAAAAAAAAAAAAAAkUAAAAAQAAABQAAAAUAAAAFAAAAAEAAAAAAAAAZAAAAGQAAAAAAAAAZAAAAGQAAAAVAAAAYAAAAAAAAAAAAAAADwAAACADAAAAAAAAAAAAAAEAAACgMgAAVgcAAKr4//8BAAAAf39/AAEAAABkAAAAAAAAABQAAABAHwAAAAAAACYAAAAAAAAAwOD//wAAAAAmAAAAZAAAABYAAABMAAAAAAAAAAAAAAAEAAAAAAAAAAEAAACAgIAKAAAAACgAAAAoAAAAZAAAAGQAAAAAAAAAzMzMAAAAAABQAAAAUAAAAGQAAABkAAAAAAAAABcAAAAUAAAAAAAAANwIAAD/fwAA/38AAAAAAAAJAAAABAAAAAAAAAAMAAAAEAAAAAAAAAAAAAAAAAAAAAAAAAAeAAAAaAAAAAAAAAAAAAAAAAAAAAAAAAAAAAAAECcAABAnAAAAAAAAAAAAAAAAAAAAAAAAAAAAAAAAAAAAAAAAAAAAABQAAAAAAAAAwMD/AAAAAABkAAAAMgAAAAAAAABkAAAAAAAAAH9/fwAKAAAAHwAAAFQAAAC74OMF////AQAAAAAAAAAAAAAAAAAAAAAAAAAAAAAAAAAAAAAAAAAAAAAAAn9/fwCAgIADzMzMAMDA/wB/f38AAAAAAAAAAAAAAAAAAAAAAAAAAAAhAAAAGAAAABQAAACPGAAALgsAAOskAAC+DgAAECAAACYAAAAIAAAA//////////8="/>
+                <pr:smNativeData xmlns:pr="smNativeData" val="SMDATA_13_gcGAXRMAAAAlAAAAEgAAAE8BAAAAkAAAAEgAAACQAAAASAAAAAAAAAAAAAAAAAAAAAEAAABQAAAAAAAAAAAA4D8AAAAAAADgPwAAAAAAAOA/AAAAAAAA4D8AAAAAAADgPwAAAAAAAOA/AAAAAAAA4D8AAAAAAADgPwAAAAAAAOA/AAAAAAAA4D8CAAAAjAAAAAAAAAAAAAAAu+DjDP///wgAAAAAAAAAAAAAAAAAAAAAAAAAAAAAAAAAAAAAZAAAAAEAAABAAAAAAAAAAAAAAAAAAAAAAAAAAAAAAAAAAAAAAAAAAAAAAAAAAAAAAAAAAAAAAAAAAAAAAAAAAAAAAAAAAAAAAAAAAAAAAAAAAAAAAAAAAAAAAAAAAAAAFAAAADwAAAAAAAAAAAAAAAAAAAkUAAAAAQAAABQAAAAUAAAAFAAAAAEAAAAAAAAAZAAAAGQAAAAAAAAAZAAAAGQAAAAVAAAAYAAAAAAAAAAAAAAADwAAACADAAAAAAAAAAAAAAEAAACgMgAAVgcAAKr4//8BAAAAf39/AAEAAABkAAAAAAAAABQAAABAHwAAAAAAACYAAAAAAAAAwOD//wAAAAAmAAAAZAAAABYAAABMAAAAAAAAAAAAAAAEAAAAAAAAAAEAAACAgIAKAAAAACgAAAAoAAAAZAAAAGQAAAAAAAAAzMzMAAAAAABQAAAAUAAAAGQAAABkAAAAAAAAABcAAAAUAAAAAAAAANwIAAD/fwAA/38AAAAAAAAJAAAABAAAAAAAAAAMAAAAEAAAAAAAAAAAAAAAAAAAAAAAAAAeAAAAaAAAAAAAAAAAAAAAAAAAAAAAAAAAAAAAECcAABAnAAAAAAAAAAAAAAAAAAAAAAAAAAAAAAAAAAAAAAAAAAAAABQAAAAAAAAAwMD/AAAAAABkAAAAMgAAAAAAAABkAAAAAAAAAH9/fwAKAAAAHwAAAFQAAAC74OMF////AQAAAAAAAAAAAAAAAAAAAAAAAAAAAAAAAAAAAAAAAAAAAAAAAn9/fwCAgIADzMzMAMDA/wB/f38AAAAAAAAAAAAAAAAAAAAAAAAAAAAhAAAAGAAAABQAAACPGAAALgsAAOskAAC+DgAAECAAACYAAAAIAAAA//////////8="/>
               </a:ext>
             </a:extLst>
           </p:cNvSpPr>
@@ -4418,7 +4418,7 @@
           <p:cNvSpPr txBox="1">
             <a:extLst>
               <a:ext uri="smNativeData">
-                <pr:smNativeData xmlns:pr="smNativeData" val="SMDATA_13_IrKAXRMAAAAlAAAAEgAAAE8BAAAAkAAAAEgAAACQAAAASAAAAAAAAAAAAAAAAAAAAAEAAABQAAAAAAAAAAAA4D8AAAAAAADgPwAAAAAAAOA/AAAAAAAA4D8AAAAAAADgPwAAAAAAAOA/AAAAAAAA4D8AAAAAAADgPwAAAAAAAOA/AAAAAAAA4D8CAAAAjAAAAAAAAAAAAAAAu+DjDP///wgAAAAAAAAAAAAAAAAAAAAAAAAAAAAAAAAAAAAAZAAAAAEAAABAAAAAAAAAAAAAAAAAAAAAAAAAAAAAAAAAAAAAAAAAAAAAAAAAAAAAAAAAAAAAAAAAAAAAAAAAAAAAAAAAAAAAAAAAAAAAAAAAAAAAAAAAAAAAAAAAAAAAFAAAADwAAAAAAAAAAAAAAAAAAAkUAAAAAQAAABQAAAAUAAAAFAAAAAEAAAAAAAAAZAAAAGQAAAAAAAAAZAAAAGQAAAAVAAAAYAAAAAAAAAAAAAAADwAAACADAAAAAAAAAAAAAAEAAACgMgAAVgcAAKr4//8BAAAAf39/AAEAAABkAAAAAAAAABQAAABAHwAAAAAAACYAAAAAAAAAwOD//wAAAAAmAAAAZAAAABYAAABMAAAAAAAAAAAAAAAEAAAAAAAAAAEAAACAgIAKAAAAACgAAAAoAAAAZAAAAGQAAAAAAAAAzMzMAAAAAABQAAAAUAAAAGQAAABkAAAAAAAAABcAAAAUAAAAAAAAANwIAAD/fwAA/38AAAAAAAAJAAAABAAAAP////8MAAAAEAAAAAAAAAAAAAAAAAAAAAAAAAAeAAAAaAAAAAAAAAAAAAAAAAAAAAAAAAAAAAAAECcAABAnAAAAAAAAAAAAAAAAAAAAAAAAAAAAAAAAAAAAAAAAAAAAABQAAAAAAAAAwMD/AAAAAABkAAAAMgAAAAAAAABkAAAAAAAAAH9/fwAKAAAAHwAAAFQAAAC74OMF////AQAAAAAAAAAAAAAAAAAAAAAAAAAAAAAAAAAAAAAAAAAAAAAAAn9/fwCAgIADzMzMAMDA/wB/f38AAAAAAAAAAAAAAAAAAAAAAAAAAAAhAAAAGAAAABQAAADzKwAADhcAAM80AABOGQAAECAAACYAAAAIAAAA//////////8="/>
+                <pr:smNativeData xmlns:pr="smNativeData" val="SMDATA_13_gcGAXRMAAAAlAAAAEgAAAE8BAAAAkAAAAEgAAACQAAAASAAAAAAAAAAAAAAAAAAAAAEAAABQAAAAAAAAAAAA4D8AAAAAAADgPwAAAAAAAOA/AAAAAAAA4D8AAAAAAADgPwAAAAAAAOA/AAAAAAAA4D8AAAAAAADgPwAAAAAAAOA/AAAAAAAA4D8CAAAAjAAAAAAAAAAAAAAAu+DjDP///wgAAAAAAAAAAAAAAAAAAAAAAAAAAAAAAAAAAAAAZAAAAAEAAABAAAAAAAAAAAAAAAAAAAAAAAAAAAAAAAAAAAAAAAAAAAAAAAAAAAAAAAAAAAAAAAAAAAAAAAAAAAAAAAAAAAAAAAAAAAAAAAAAAAAAAAAAAAAAAAAAAAAAFAAAADwAAAAAAAAAAAAAAAAAAAkUAAAAAQAAABQAAAAUAAAAFAAAAAEAAAAAAAAAZAAAAGQAAAAAAAAAZAAAAGQAAAAVAAAAYAAAAAAAAAAAAAAADwAAACADAAAAAAAAAAAAAAEAAACgMgAAVgcAAKr4//8BAAAAf39/AAEAAABkAAAAAAAAABQAAABAHwAAAAAAACYAAAAAAAAAwOD//wAAAAAmAAAAZAAAABYAAABMAAAAAAAAAAAAAAAEAAAAAAAAAAEAAACAgIAKAAAAACgAAAAoAAAAZAAAAGQAAAAAAAAAzMzMAAAAAABQAAAAUAAAAGQAAABkAAAAAAAAABcAAAAUAAAAAAAAANwIAAD/fwAA/38AAAAAAAAJAAAABAAAAP////8MAAAAEAAAAAAAAAAAAAAAAAAAAAAAAAAeAAAAaAAAAAAAAAAAAAAAAAAAAAAAAAAAAAAAECcAABAnAAAAAAAAAAAAAAAAAAAAAAAAAAAAAAAAAAAAAAAAAAAAABQAAAAAAAAAwMD/AAAAAABkAAAAMgAAAAAAAABkAAAAAAAAAH9/fwAKAAAAHwAAAFQAAAC74OMF////AQAAAAAAAAAAAAAAAAAAAAAAAAAAAAAAAAAAAAAAAAAAAAAAAn9/fwCAgIADzMzMAMDA/wB/f38AAAAAAAAAAAAAAAAAAAAAAAAAAAAhAAAAGAAAABQAAADzKwAADhcAAM80AABOGQAAECAAACYAAAAIAAAA//////////8="/>
               </a:ext>
             </a:extLst>
           </p:cNvSpPr>
@@ -4464,7 +4464,7 @@
           <p:cNvSpPr txBox="1">
             <a:extLst>
               <a:ext uri="smNativeData">
-                <pr:smNativeData xmlns:pr="smNativeData" val="SMDATA_13_IrKAXRMAAAAlAAAAEgAAAE8BAAAAkAAAAEgAAACQAAAASAAAAAAAAAAAAAAAAAAAAAEAAABQAAAAAAAAAAAA4D8AAAAAAADgPwAAAAAAAOA/AAAAAAAA4D8AAAAAAADgPwAAAAAAAOA/AAAAAAAA4D8AAAAAAADgPwAAAAAAAOA/AAAAAAAA4D8CAAAAjAAAAAAAAAAAAAAAu+DjDP///wgAAAAAAAAAAAAAAAAAAAAAAAAAAAAAAAAAAAAAZAAAAAEAAABAAAAAAAAAAAAAAAAAAAAAAAAAAAAAAAAAAAAAAAAAAAAAAAAAAAAAAAAAAAAAAAAAAAAAAAAAAAAAAAAAAAAAAAAAAAAAAAAAAAAAAAAAAAAAAAAAAAAAFAAAADwAAAAAAAAAAAAAAAAAAAkUAAAAAQAAABQAAAAUAAAAFAAAAAEAAAAAAAAAZAAAAGQAAAAAAAAAZAAAAGQAAAAVAAAAYAAAAAAAAAAAAAAADwAAACADAAAAAAAAAAAAAAEAAACgMgAAVgcAAKr4//8BAAAAf39/AAEAAABkAAAAAAAAABQAAABAHwAAAAAAACYAAAAAAAAAwOD//wAAAAAmAAAAZAAAABYAAABMAAAAAAAAAAAAAAAEAAAAAAAAAAEAAACAgIAKAAAAACgAAAAoAAAAZAAAAGQAAAAAAAAAzMzMAAAAAABQAAAAUAAAAGQAAABkAAAAAAAAABcAAAAUAAAAAAAAANwIAAD/fwAA/38AAAAAAAAJAAAABAAAAAAAAAAMAAAAEAAAAAAAAAAAAAAAAAAAAAAAAAAeAAAAaAAAAAAAAAAAAAAAAAAAAAAAAAAAAAAAECcAABAnAAAAAAAAAAAAAAAAAAAAAAAAAAAAAAAAAAAAAAAAAAAAABQAAAAAAAAAwMD/AAAAAABkAAAAMgAAAAAAAABkAAAAAAAAAH9/fwAKAAAAHwAAAFQAAAC74OMF////AQAAAAAAAAAAAAAAAAAAAAAAAAAAAAAAAAAAAAAAAAAAAAAAAn9/fwCAgIADzMzMAMDA/wB/f38AAAAAAAAAAAAAAAAAAAAAAAAAAAAhAAAAGAAAABQAAACPGAAAMBoAAOskAADAHQAAECAAACYAAAAIAAAA//////////8="/>
+                <pr:smNativeData xmlns:pr="smNativeData" val="SMDATA_13_gcGAXRMAAAAlAAAAEgAAAE8BAAAAkAAAAEgAAACQAAAASAAAAAAAAAAAAAAAAAAAAAEAAABQAAAAAAAAAAAA4D8AAAAAAADgPwAAAAAAAOA/AAAAAAAA4D8AAAAAAADgPwAAAAAAAOA/AAAAAAAA4D8AAAAAAADgPwAAAAAAAOA/AAAAAAAA4D8CAAAAjAAAAAAAAAAAAAAAu+DjDP///wgAAAAAAAAAAAAAAAAAAAAAAAAAAAAAAAAAAAAAZAAAAAEAAABAAAAAAAAAAAAAAAAAAAAAAAAAAAAAAAAAAAAAAAAAAAAAAAAAAAAAAAAAAAAAAAAAAAAAAAAAAAAAAAAAAAAAAAAAAAAAAAAAAAAAAAAAAAAAAAAAAAAAFAAAADwAAAAAAAAAAAAAAAAAAAkUAAAAAQAAABQAAAAUAAAAFAAAAAEAAAAAAAAAZAAAAGQAAAAAAAAAZAAAAGQAAAAVAAAAYAAAAAAAAAAAAAAADwAAACADAAAAAAAAAAAAAAEAAACgMgAAVgcAAKr4//8BAAAAf39/AAEAAABkAAAAAAAAABQAAABAHwAAAAAAACYAAAAAAAAAwOD//wAAAAAmAAAAZAAAABYAAABMAAAAAAAAAAAAAAAEAAAAAAAAAAEAAACAgIAKAAAAACgAAAAoAAAAZAAAAGQAAAAAAAAAzMzMAAAAAABQAAAAUAAAAGQAAABkAAAAAAAAABcAAAAUAAAAAAAAANwIAAD/fwAA/38AAAAAAAAJAAAABAAAAAAAAAAMAAAAEAAAAAAAAAAAAAAAAAAAAAAAAAAeAAAAaAAAAAAAAAAAAAAAAAAAAAAAAAAAAAAAECcAABAnAAAAAAAAAAAAAAAAAAAAAAAAAAAAAAAAAAAAAAAAAAAAABQAAAAAAAAAwMD/AAAAAABkAAAAMgAAAAAAAABkAAAAAAAAAH9/fwAKAAAAHwAAAFQAAAC74OMF////AQAAAAAAAAAAAAAAAAAAAAAAAAAAAAAAAAAAAAAAAAAAAAAAAn9/fwCAgIADzMzMAMDA/wB/f38AAAAAAAAAAAAAAAAAAAAAAAAAAAAhAAAAGAAAABQAAACPGAAAMBoAAOskAADAHQAAECAAACYAAAAIAAAA//////////8="/>
               </a:ext>
             </a:extLst>
           </p:cNvSpPr>
@@ -4510,7 +4510,7 @@
           <p:cNvSpPr txBox="1">
             <a:extLst>
               <a:ext uri="smNativeData">
-                <pr:smNativeData xmlns:pr="smNativeData" val="SMDATA_13_IrKAXRMAAAAlAAAAEgAAAA8BAAAAkAAAAEgAAACQAAAASAAAAAAAAAAAAAAAAAAAAAEAAABQAAAAAAAAAAAA4D8AAAAAAADgPwAAAAAAAOA/AAAAAAAA4D8AAAAAAADgPwAAAAAAAOA/AAAAAAAA4D8AAAAAAADgPwAAAAAAAOA/AAAAAAAA4D8CAAAAjAAAAAAAAAAAAAAAu+DjDP///wgAAAAAAAAAAAAAAAAAAAAAAAAAAAAAAAAAAAAAZAAAAAEAAABAAAAAAAAAAAAAAAAAAAAAAAAAAAAAAAAAAAAAAAAAAAAAAAAAAAAAAAAAAAAAAAAAAAAAAAAAAAAAAAAAAAAAAAAAAAAAAAAAAAAAAAAAAAAAAAAAAAAAFAAAADwAAAAAAAAAAAAAAAAAAAkUAAAAAQAAABQAAAAUAAAAFAAAAAEAAAAAAAAAZAAAAGQAAAAAAAAAZAAAAGQAAAAVAAAAYAAAAAAAAAAAAAAADwAAACADAAAAAAAAAAAAAAEAAACgMgAAVgcAAKr4//8BAAAAf39/AAEAAABkAAAAAAAAABQAAABAHwAAAAAAACYAAAAAAAAAwOD//wAAAAAmAAAAZAAAABYAAABMAAAAAAAAAAAAAAAEAAAAAAAAAAEAAACAgIAKAAAAACgAAAAoAAAAZAAAAGQAAAAAAAAAzMzMAAAAAABQAAAAUAAAAGQAAABkAAAAAAAAABcAAAAUAAAAAAAAANwIAAD/fwAA/38AAAAAAAAJAAAABAAAAAAAAAAMAAAAEAAAAAAAAAAAAAAAAAAAAAAAAAAeAAAAaAAAAAAAAAAAAAAAAAAAAAAAAAAAAAAAECcAABAnAAAAAAAAAAAAAAAAAAAAAAAAAAAAAAAAAAAAAAAAAAAAABQAAAAAAAAAwMD/AAAAAABkAAAAMgAAAAAAAABkAAAAAAAAAH9/fwAKAAAAHwAAAFQAAAC74OMF////AQAAAAAAAAAAAAAAAAAAAAAAAAAAAAAAAAAAAAAAAAAAAAAAAn9/fwCAgIADzMzMAMDA/wB/f38AAAAAAAAAAAAAAAAAAAAAAAAAAAAhAAAAGAAAABQAAABzDwAAgxsAAB4YAADIJAAAEAAAACYAAAAIAAAA//////////8="/>
+                <pr:smNativeData xmlns:pr="smNativeData" val="SMDATA_13_gcGAXRMAAAAlAAAAEgAAAA8BAAAAkAAAAEgAAACQAAAASAAAAAAAAAAAAAAAAAAAAAEAAABQAAAAAAAAAAAA4D8AAAAAAADgPwAAAAAAAOA/AAAAAAAA4D8AAAAAAADgPwAAAAAAAOA/AAAAAAAA4D8AAAAAAADgPwAAAAAAAOA/AAAAAAAA4D8CAAAAjAAAAAAAAAAAAAAAu+DjDP///wgAAAAAAAAAAAAAAAAAAAAAAAAAAAAAAAAAAAAAZAAAAAEAAABAAAAAAAAAAAAAAAAAAAAAAAAAAAAAAAAAAAAAAAAAAAAAAAAAAAAAAAAAAAAAAAAAAAAAAAAAAAAAAAAAAAAAAAAAAAAAAAAAAAAAAAAAAAAAAAAAAAAAFAAAADwAAAAAAAAAAAAAAAAAAAkUAAAAAQAAABQAAAAUAAAAFAAAAAEAAAAAAAAAZAAAAGQAAAAAAAAAZAAAAGQAAAAVAAAAYAAAAAAAAAAAAAAADwAAACADAAAAAAAAAAAAAAEAAACgMgAAVgcAAKr4//8BAAAAf39/AAEAAABkAAAAAAAAABQAAABAHwAAAAAAACYAAAAAAAAAwOD//wAAAAAmAAAAZAAAABYAAABMAAAAAAAAAAAAAAAEAAAAAAAAAAEAAACAgIAKAAAAACgAAAAoAAAAZAAAAGQAAAAAAAAAzMzMAAAAAABQAAAAUAAAAGQAAABkAAAAAAAAABcAAAAUAAAAAAAAANwIAAD/fwAA/38AAAAAAAAJAAAABAAAAAAAAAAMAAAAEAAAAAAAAAAAAAAAAAAAAAAAAAAeAAAAaAAAAAAAAAAAAAAAAAAAAAAAAAAAAAAAECcAABAnAAAAAAAAAAAAAAAAAAAAAAAAAAAAAAAAAAAAAAAAAAAAABQAAAAAAAAAwMD/AAAAAABkAAAAMgAAAAAAAABkAAAAAAAAAH9/fwAKAAAAHwAAAFQAAAC74OMF////AQAAAAAAAAAAAAAAAAAAAAAAAAAAAAAAAAAAAAAAAAAAAAAAAn9/fwCAgIADzMzMAMDA/wB/f38AAAAAAAAAAAAAAAAAAAAAAAAAAAAhAAAAGAAAABQAAABzDwAAgxsAAB4YAADIJAAAEAAAACYAAAAIAAAA//////////8="/>
               </a:ext>
             </a:extLst>
           </p:cNvSpPr>
@@ -4556,7 +4556,7 @@
           <p:cNvSpPr txBox="1">
             <a:extLst>
               <a:ext uri="smNativeData">
-                <pr:smNativeData xmlns:pr="smNativeData" val="SMDATA_13_IrKAXRMAAAAlAAAAEgAAAA8BAAAAkAAAAEgAAACQAAAASAAAAAAAAAAAAAAAAAAAAAEAAABQAAAAAAAAAAAA4D8AAAAAAADgPwAAAAAAAOA/AAAAAAAA4D8AAAAAAADgPwAAAAAAAOA/AAAAAAAA4D8AAAAAAADgPwAAAAAAAOA/AAAAAAAA4D8CAAAAjAAAAAAAAAAAAAAAu+DjDP///wgAAAAAAAAAAAAAAAAAAAAAAAAAAAAAAAAAAAAAZAAAAAEAAABAAAAAAAAAAAAAAAAAAAAAAAAAAAAAAAAAAAAAAAAAAAAAAAAAAAAAAAAAAAAAAAAAAAAAAAAAAAAAAAAAAAAAAAAAAAAAAAAAAAAAAAAAAAAAAAAAAAAAFAAAADwAAAAAAAAAAAAAAAAAAAkUAAAAAQAAABQAAAAUAAAAFAAAAAEAAAAAAAAAZAAAAGQAAAAAAAAAZAAAAGQAAAAVAAAAYAAAAAAAAAAAAAAADwAAACADAAAAAAAAAAAAAAEAAACgMgAAVgcAAKr4//8BAAAAf39/AAEAAABkAAAAAAAAABQAAABAHwAAAAAAACYAAAAAAAAAwOD//wAAAAAmAAAAZAAAABYAAABMAAAAAAAAAAAAAAAEAAAAAAAAAAEAAACAgIAKAAAAACgAAAAoAAAAZAAAAGQAAAAAAAAAzMzMAAAAAABQAAAAUAAAAGQAAABkAAAAAAAAABcAAAAUAAAAAAAAANwIAAD/fwAA/38AAAAAAAAJAAAABAAAAAAAAAAMAAAAEAAAAAAAAAAAAAAAAAAAAAAAAAAeAAAAaAAAAAAAAAAAAAAAAAAAAAAAAAAAAAAAECcAABAnAAAAAAAAAAAAAAAAAAAAAAAAAAAAAAAAAAAAAAAAAAAAABQAAAAAAAAAwMD/AAAAAABkAAAAMgAAAAAAAABkAAAAAAAAAH9/fwAKAAAAHwAAAFQAAAC74OMF////AQAAAAAAAAAAAAAAAAAAAAAAAAAAAAAAAAAAAAAAAAAAAAAAAn9/fwCAgIADzMzMAMDA/wB/f38AAAAAAAAAAAAAAAAAAAAAAAAAAAAhAAAAGAAAABQAAAAgJwAA9BsAAMouAAAiIgAAEAAAACYAAAAIAAAA//////////8="/>
+                <pr:smNativeData xmlns:pr="smNativeData" val="SMDATA_13_gcGAXRMAAAAlAAAAEgAAAA8BAAAAkAAAAEgAAACQAAAASAAAAAAAAAAAAAAAAAAAAAEAAABQAAAAAAAAAAAA4D8AAAAAAADgPwAAAAAAAOA/AAAAAAAA4D8AAAAAAADgPwAAAAAAAOA/AAAAAAAA4D8AAAAAAADgPwAAAAAAAOA/AAAAAAAA4D8CAAAAjAAAAAAAAAAAAAAAu+DjDP///wgAAAAAAAAAAAAAAAAAAAAAAAAAAAAAAAAAAAAAZAAAAAEAAABAAAAAAAAAAAAAAAAAAAAAAAAAAAAAAAAAAAAAAAAAAAAAAAAAAAAAAAAAAAAAAAAAAAAAAAAAAAAAAAAAAAAAAAAAAAAAAAAAAAAAAAAAAAAAAAAAAAAAFAAAADwAAAAAAAAAAAAAAAAAAAkUAAAAAQAAABQAAAAUAAAAFAAAAAEAAAAAAAAAZAAAAGQAAAAAAAAAZAAAAGQAAAAVAAAAYAAAAAAAAAAAAAAADwAAACADAAAAAAAAAAAAAAEAAACgMgAAVgcAAKr4//8BAAAAf39/AAEAAABkAAAAAAAAABQAAABAHwAAAAAAACYAAAAAAAAAwOD//wAAAAAmAAAAZAAAABYAAABMAAAAAAAAAAAAAAAEAAAAAAAAAAEAAACAgIAKAAAAACgAAAAoAAAAZAAAAGQAAAAAAAAAzMzMAAAAAABQAAAAUAAAAGQAAABkAAAAAAAAABcAAAAUAAAAAAAAANwIAAD/fwAA/38AAAAAAAAJAAAABAAAAAAAAAAMAAAAEAAAAAAAAAAAAAAAAAAAAAAAAAAeAAAAaAAAAAAAAAAAAAAAAAAAAAAAAAAAAAAAECcAABAnAAAAAAAAAAAAAAAAAAAAAAAAAAAAAAAAAAAAAAAAAAAAABQAAAAAAAAAwMD/AAAAAABkAAAAMgAAAAAAAABkAAAAAAAAAH9/fwAKAAAAHwAAAFQAAAC74OMF////AQAAAAAAAAAAAAAAAAAAAAAAAAAAAAAAAAAAAAAAAAAAAAAAAn9/fwCAgIADzMzMAMDA/wB/f38AAAAAAAAAAAAAAAAAAAAAAAAAAAAhAAAAGAAAABQAAAAgJwAA9BsAAMouAAAiIgAAEAAAACYAAAAIAAAA//////////8="/>
               </a:ext>
             </a:extLst>
           </p:cNvSpPr>
@@ -4604,7 +4604,7 @@
           <p:cNvSpPr txBox="1">
             <a:extLst>
               <a:ext uri="smNativeData">
-                <pr:smNativeData xmlns:pr="smNativeData" val="SMDATA_13_IrKAXRMAAAAlAAAAEgAAAE8BAAAAkAAAAEgAAACQAAAASAAAAAAAAAAAAAAAAAAAAAEAAABQAAAAAAAAAAAA4D8AAAAAAADgPwAAAAAAAOA/AAAAAAAA4D8AAAAAAADgPwAAAAAAAOA/AAAAAAAA4D8AAAAAAADgPwAAAAAAAOA/AAAAAAAA4D8CAAAAjAAAAAAAAAAAAAAAu+DjDP///wgAAAAAAAAAAAAAAAAAAAAAAAAAAAAAAAAAAAAAZAAAAAEAAABAAAAAAAAAAAAAAAAAAAAAAAAAAAAAAAAAAAAAAAAAAAAAAAAAAAAAAAAAAAAAAAAAAAAAAAAAAAAAAAAAAAAAAAAAAAAAAAAAAAAAAAAAAAAAAAAAAAAAFAAAADwAAAAAAAAAAAAAAAAAAAkUAAAAAQAAABQAAAAUAAAAFAAAAAEAAAAAAAAAZAAAAGQAAAAAAAAAZAAAAGQAAAAVAAAAYAAAAAAAAAAAAAAADwAAACADAAAAAAAAAAAAAAEAAACgMgAAVgcAAKr4//8BAAAAf39/AAEAAABkAAAAAAAAABQAAABAHwAAAAAAACYAAAAAAAAAwOD//wAAAAAmAAAAZAAAABYAAABMAAAAAAAAAAAAAAAEAAAAAAAAAAEAAACAgIAKAAAAACgAAAAoAAAAZAAAAGQAAAAAAAAAzMzMAAAAAABQAAAAUAAAAGQAAABkAAAAAAAAABcAAAAUAAAAAAAAANwIAAD/fwAA/38AAAAAAAAJAAAABAAAAHlsZT4MAAAAEAAAAAAAAAAAAAAAAAAAAAAAAAAeAAAAaAAAAAAAAAAAAAAAAAAAAAAAAAAAAAAAECcAABAnAAAAAAAAAAAAAAAAAAAAAAAAAAAAAAAAAAAAAAAAAAAAABQAAAAAAAAAwMD/AAAAAABkAAAAMgAAAAAAAABkAAAAAAAAAH9/fwAKAAAAHwAAAFQAAAC74OMF////AQAAAAAAAAAAAAAAAAAAAAAAAAAAAAAAAAAAAAAAAAAAAAAAAn9/fwCAgIADzMzMAMDA/wB/f38AAAAAAAAAAAAAAAAAAAAAAAAAAAAhAAAAGAAAABQAAABqBAAA4QgAABY0AAAhCwAAECAAACYAAAAIAAAA//////////8="/>
+                <pr:smNativeData xmlns:pr="smNativeData" val="SMDATA_13_gcGAXRMAAAAlAAAAEgAAAE8BAAAAkAAAAEgAAACQAAAASAAAAAAAAAAAAAAAAAAAAAEAAABQAAAAAAAAAAAA4D8AAAAAAADgPwAAAAAAAOA/AAAAAAAA4D8AAAAAAADgPwAAAAAAAOA/AAAAAAAA4D8AAAAAAADgPwAAAAAAAOA/AAAAAAAA4D8CAAAAjAAAAAAAAAAAAAAAu+DjDP///wgAAAAAAAAAAAAAAAAAAAAAAAAAAAAAAAAAAAAAZAAAAAEAAABAAAAAAAAAAAAAAAAAAAAAAAAAAAAAAAAAAAAAAAAAAAAAAAAAAAAAAAAAAAAAAAAAAAAAAAAAAAAAAAAAAAAAAAAAAAAAAAAAAAAAAAAAAAAAAAAAAAAAFAAAADwAAAAAAAAAAAAAAAAAAAkUAAAAAQAAABQAAAAUAAAAFAAAAAEAAAAAAAAAZAAAAGQAAAAAAAAAZAAAAGQAAAAVAAAAYAAAAAAAAAAAAAAADwAAACADAAAAAAAAAAAAAAEAAACgMgAAVgcAAKr4//8BAAAAf39/AAEAAABkAAAAAAAAABQAAABAHwAAAAAAACYAAAAAAAAAwOD//wAAAAAmAAAAZAAAABYAAABMAAAAAAAAAAAAAAAEAAAAAAAAAAEAAACAgIAKAAAAACgAAAAoAAAAZAAAAGQAAAAAAAAAzMzMAAAAAABQAAAAUAAAAGQAAABkAAAAAAAAABcAAAAUAAAAAAAAANwIAAD/fwAA/38AAAAAAAAJAAAABAAAAHlsZT4MAAAAEAAAAAAAAAAAAAAAAAAAAAAAAAAeAAAAaAAAAAAAAAAAAAAAAAAAAAAAAAAAAAAAECcAABAnAAAAAAAAAAAAAAAAAAAAAAAAAAAAAAAAAAAAAAAAAAAAABQAAAAAAAAAwMD/AAAAAABkAAAAMgAAAAAAAABkAAAAAAAAAH9/fwAKAAAAHwAAAFQAAAC74OMF////AQAAAAAAAAAAAAAAAAAAAAAAAAAAAAAAAAAAAAAAAAAAAAAAAn9/fwCAgIADzMzMAMDA/wB/f38AAAAAAAAAAAAAAAAAAAAAAAAAAAAhAAAAGAAAABQAAABqBAAA4QgAABY0AAAhCwAAECAAACYAAAAIAAAA//////////8="/>
               </a:ext>
             </a:extLst>
           </p:cNvSpPr>
@@ -4650,7 +4650,7 @@
           <p:cNvSpPr>
             <a:extLst>
               <a:ext uri="smNativeData">
-                <pr:smNativeData xmlns:pr="smNativeData" val="SMDATA_13_IrKAXRMAAAAlAAAAZAAAAA8BAAAAkAAAAEgAAACQAAAASAAAAAAAAAAAAAAAAAAAAAEAAABQAAAAAAAAAAAA4D8AAAAAAADgPwAAAAAAAOA/AAAAAAAA4D8AAAAAAADgPwAAAAAAAOA/AAAAAAAA4D8AAAAAAADgPwAAAAAAAOA/AAAAAAAA4D8CAAAAjAAAAAEAAAAAAAAAHh4eAP///wgAAAAAAAAAAAAAAAAAAAAAAAAAAAAAAAAAAAAAZAAAAAEAAABAAAAAAAAAAAAAAAAAAAAAAAAAAAAAAAAAAAAAAAAAAAAAAAAAAAAAAAAAAAAAAAAAAAAAAAAAAAAAAAAAAAAAAAAAAAAAAAAAAAAAAAAAAAAAAAAAAAAAFAAAADwAAAAAAAAAAAAAAAAAAAkAAAAAAQAAAAAAAAAAAAAAAAAAAAAAAAAAAAAAZAAAAGQAAAAAAAAAZAAAAGQAAAAVAAAAYAAAAAAAAAAAAAAADwAAACADAAAAAAAAAAAAAAEAAACgMgAAAAAAAAAAAAABAAAAf39/AAEAAABkAAAAAAAAABQAAABAHwAAAAAAACYAAAAAAAAAwOD//wAAAAAmAAAAZAAAABYAAABMAAAAAAAAAAAAAAAEAAAAAAAAAAEAAACAgIAKAAAAACgAAAAoAAAAZAAAAGQAAAAAAAAAzMzMAAAAAABQAAAAUAAAAGQAAABkAAAAAAAAABcAAAAUAAAAAAAAAAAAAAD/fwAA/38AAAAAAAAJAAAABAAAADAYIQIMAAAAEAAAAAAAAAAAAAAAAAAAAAAAAAAeAAAAaAAAAAAAAAAAAAAAAAAAAAAAAAAAAAAAECcAABAnAAAAAAAAAAAAAAAAAAAAAAAAAAAAAAAAAAAAAAAAAAAAABQAAAAAAAAAwMD/AAAAAABkAAAAMgAAAAAAAABkAAAAAAAAAH9/fwAKAAAAHwAAAFQAAAAeHh4A////AQAAAAAAAAAAAAAAAAAAAAAAAAAAAAAAAAAAAAAAAAAAAAAAAn9/fwCAgIADzMzMAMDA/wB/f38AAAAAAAAAAAAAAAAAAAAAAAAAAAAhAAAAGAAAABQAAAAAAAAAZQcAAEA4AAC4CAAAEAAAACYAAAAIAAAA//////////8="/>
+                <pr:smNativeData xmlns:pr="smNativeData" val="SMDATA_13_gcGAXRMAAAAlAAAAZAAAAA8BAAAAkAAAAEgAAACQAAAASAAAAAAAAAAAAAAAAAAAAAEAAABQAAAAAAAAAAAA4D8AAAAAAADgPwAAAAAAAOA/AAAAAAAA4D8AAAAAAADgPwAAAAAAAOA/AAAAAAAA4D8AAAAAAADgPwAAAAAAAOA/AAAAAAAA4D8CAAAAjAAAAAEAAAAAAAAAHh4eAP///wgAAAAAAAAAAAAAAAAAAAAAAAAAAAAAAAAAAAAAZAAAAAEAAABAAAAAAAAAAAAAAAAAAAAAAAAAAAAAAAAAAAAAAAAAAAAAAAAAAAAAAAAAAAAAAAAAAAAAAAAAAAAAAAAAAAAAAAAAAAAAAAAAAAAAAAAAAAAAAAAAAAAAFAAAADwAAAAAAAAAAAAAAAAAAAkAAAAAAQAAAAAAAAAAAAAAAAAAAAAAAAAAAAAAZAAAAGQAAAAAAAAAZAAAAGQAAAAVAAAAYAAAAAAAAAAAAAAADwAAACADAAAAAAAAAAAAAAEAAACgMgAAAAAAAAAAAAABAAAAf39/AAEAAABkAAAAAAAAABQAAABAHwAAAAAAACYAAAAAAAAAwOD//wAAAAAmAAAAZAAAABYAAABMAAAAAAAAAAAAAAAEAAAAAAAAAAEAAACAgIAKAAAAACgAAAAoAAAAZAAAAGQAAAAAAAAAzMzMAAAAAABQAAAAUAAAAGQAAABkAAAAAAAAABcAAAAUAAAAAAAAAAAAAAD/fwAA/38AAAAAAAAJAAAABAAAADAYIQIMAAAAEAAAAAAAAAAAAAAAAAAAAAAAAAAeAAAAaAAAAAAAAAAAAAAAAAAAAAAAAAAAAAAAECcAABAnAAAAAAAAAAAAAAAAAAAAAAAAAAAAAAAAAAAAAAAAAAAAABQAAAAAAAAAwMD/AAAAAABkAAAAMgAAAAAAAABkAAAAAAAAAH9/fwAKAAAAHwAAAFQAAAAeHh4A////AQAAAAAAAAAAAAAAAAAAAAAAAAAAAAAAAAAAAAAAAAAAAAAAAn9/fwCAgIADzMzMAMDA/wB/f38AAAAAAAAAAAAAAAAAAAAAAAAAAAAhAAAAGAAAABQAAAAAAAAAZQcAAEA4AAC4CAAAEAAAACYAAAAIAAAA//////////8="/>
               </a:ext>
             </a:extLst>
           </p:cNvSpPr>
@@ -4680,7 +4680,7 @@
             <a:picLocks noChangeAspect="1"/>
             <a:extLst>
               <a:ext uri="smNativeData">
-                <pr:smNativeData xmlns:pr="smNativeData" val="SMDATA_15_IrKAXRMAAAAlAAAAEQAAAC8BAAAAkAAAAEgAAACQAAAASAAAAAAAAAAAAAAAAAAAAAEAAABQAAAAAAAAAAAA4D8AAAAAAADgPwAAAAAAAOA/AAAAAAAA4D8AAAAAAADgPwAAAAAAAOA/AAAAAAAA4D8AAAAAAADgPwAAAAAAAOA/AAAAAAAA4D8CAAAAjAAAAAAAAAAAAAAAu+DjDP///wgAAAAAAAAAAAAAAAAAAAAAAAAAAAAAAAAAAAAAZAAAAAEAAABAAAAAAAAAAAAAAAAAAAAAAAAAAAAAAAAAAAAAAAAAAAAAAAAAAAAAAAAAAAAAAAAAAAAAAAAAAAAAAAAAAAAAAAAAAAAAAAAAAAAAAAAAAAAAAAAAAAAAFAAAADwAAAAAAAAAAAAAAAAAAAkUAAAAAQAAABQAAAAUAAAAFAAAAAEAAAAAAAAAZAAAAGQAAAAAAAAAZAAAAGQAAAAVAAAAYAAAAAAAAAAAAAAADwAAACADAAAAAAAAAAAAAAEAAACgMgAAVgcAAKr4//8BAAAAf39/AAEAAABkAAAAAAAAABQAAABAHwAAAAAAACYAAAAAAAAAwOD//wAAAAAmAAAAZAAAABYAAABMAAAAAAAAAAAAAAAEAAAAAAAAAAEAAACAgIAKAAAAACgAAAAoAAAAZAAAAGQAAAAAAAAAzMzMAAAAAABQAAAAUAAAAGQAAABkAAAAAAAAAAcAAAA4AAAAAAAAAAAAAAAAAAAA////AAAAAAAAAAAAAAAAAAAAAAAAAAAAAAAAAAAAAABkAAAAZAAAAAAAAAAjAAAABAAAAGQAAAAXAAAAFAAAAAAAAAAAAAAA/38AAP9/AAAAAAAACQAAAAQAAAAAAAAADAAAABAAAAAAAAAAAAAAAAAAAAAAAAAAHgAAAGgAAAAAAAAAAAAAAAAAAAAAAAAAAAAAABAnAAAQJwAAAAAAAAAAAAAAAAAAAAAAAAAAAAAAAAAAAAAAAAAAAAAUAAAAAAAAAMDA/wAAAAAAZAAAADIAAAAAAAAAZAAAAAAAAAB/f38ACgAAAB8AAABUAAAAu+DjBf///wEAAAAAAAAAAAAAAAAAAAAAAAAAAAAAAAAAAAAAAAAAAAAAAAJ/f38AgICAA8zMzADAwP8Af39/AAAAAAAAAAAAAAAAAP///wAAAAAAIQAAABgAAAAUAAAAJwUAAK0HAABpNQAATyoAABAAAAAmAAAACAAAAP//////////"/>
+                <pr:smNativeData xmlns:pr="smNativeData" val="SMDATA_15_gcGAXRMAAAAlAAAAEQAAAC8BAAAAkAAAAEgAAACQAAAASAAAAAAAAAAAAAAAAAAAAAEAAABQAAAAAAAAAAAA4D8AAAAAAADgPwAAAAAAAOA/AAAAAAAA4D8AAAAAAADgPwAAAAAAAOA/AAAAAAAA4D8AAAAAAADgPwAAAAAAAOA/AAAAAAAA4D8CAAAAjAAAAAAAAAAAAAAAu+DjDP///wgAAAAAAAAAAAAAAAAAAAAAAAAAAAAAAAAAAAAAZAAAAAEAAABAAAAAAAAAAAAAAAAAAAAAAAAAAAAAAAAAAAAAAAAAAAAAAAAAAAAAAAAAAAAAAAAAAAAAAAAAAAAAAAAAAAAAAAAAAAAAAAAAAAAAAAAAAAAAAAAAAAAAFAAAADwAAAAAAAAAAAAAAAAAAAkUAAAAAQAAABQAAAAUAAAAFAAAAAEAAAAAAAAAZAAAAGQAAAAAAAAAZAAAAGQAAAAVAAAAYAAAAAAAAAAAAAAADwAAACADAAAAAAAAAAAAAAEAAACgMgAAVgcAAKr4//8BAAAAf39/AAEAAABkAAAAAAAAABQAAABAHwAAAAAAACYAAAAAAAAAwOD//wAAAAAmAAAAZAAAABYAAABMAAAAAAAAAAAAAAAEAAAAAAAAAAEAAACAgIAKAAAAACgAAAAoAAAAZAAAAGQAAAAAAAAAzMzMAAAAAABQAAAAUAAAAGQAAABkAAAAAAAAAAcAAAA4AAAAAAAAAAAAAAAAAAAA////AAAAAAAAAAAAAAAAAAAAAAAAAAAAAAAAAAAAAABkAAAAZAAAAAAAAAAjAAAABAAAAGQAAAAXAAAAFAAAAAAAAAAAAAAA/38AAP9/AAAAAAAACQAAAAQAAAAAAAAADAAAABAAAAAAAAAAAAAAAAAAAAAAAAAAHgAAAGgAAAAAAAAAAAAAAAAAAAAAAAAAAAAAABAnAAAQJwAAAAAAAAAAAAAAAAAAAAAAAAAAAAAAAAAAAAAAAAAAAAAUAAAAAAAAAMDA/wAAAAAAZAAAADIAAAAAAAAAZAAAAAAAAAB/f38ACgAAAB8AAABUAAAAu+DjBf///wEAAAAAAAAAAAAAAAAAAAAAAAAAAAAAAAAAAAAAAAAAAAAAAAJ/f38AgICAA8zMzADAwP8Af39/AAAAAAAAAAAAAAAAAP///wAAAAAAIQAAABgAAAAUAAAAJwUAAK0HAABpNQAATyoAABAAAAAmAAAACAAAAP//////////"/>
               </a:ext>
             </a:extLst>
           </p:cNvPicPr>
@@ -4713,7 +4713,7 @@
           <p:cNvSpPr txBox="1">
             <a:extLst>
               <a:ext uri="smNativeData">
-                <pr:smNativeData xmlns:pr="smNativeData" val="SMDATA_13_IrKAXRMAAAAlAAAAEgAAAE8BAAAAkAAAAEgAAACQAAAASAAAAAAAAAAAAAAAAAAAAAEAAABQAAAAAAAAAAAA4D8AAAAAAADgPwAAAAAAAOA/AAAAAAAA4D8AAAAAAADgPwAAAAAAAOA/AAAAAAAA4D8AAAAAAADgPwAAAAAAAOA/AAAAAAAA4D8CAAAAjAAAAAAAAAAAAAAAu+DjDP///wgAAAAAAAAAAAAAAAAAAAAAAAAAAAAAAAAAAAAAZAAAAAEAAABAAAAAAAAAAAAAAAAAAAAAAAAAAAAAAAAAAAAAAAAAAAAAAAAAAAAAAAAAAAAAAAAAAAAAAAAAAAAAAAAAAAAAAAAAAAAAAAAAAAAAAAAAAAAAAAAAAAAAFAAAADwAAAAAAAAAAAAAAAAAAAkUAAAAAQAAABQAAAAUAAAAFAAAAAEAAAAAAAAAZAAAAGQAAAAAAAAAZAAAAGQAAAAVAAAAYAAAAAAAAAAAAAAADwAAACADAAAAAAAAAAAAAAEAAACgMgAAVgcAAKr4//8BAAAAf39/AAEAAABkAAAAAAAAABQAAABAHwAAAAAAACYAAAAAAAAAwOD//wAAAAAmAAAAZAAAABYAAABMAAAAAAAAAAAAAAAEAAAAAAAAAAEAAACAgIAKAAAAACgAAAAoAAAAZAAAAGQAAAAAAAAAzMzMAAAAAABQAAAAUAAAAGQAAABkAAAAAAAAABcAAAAUAAAAAAAAANwIAAD/fwAA/38AAAAAAAAJAAAABAAAAGxyIHYMAAAAEAAAAAAAAAAAAAAAAAAAAAAAAAAeAAAAaAAAAAAAAAAAAAAAAAAAAAAAAAAAAAAAECcAABAnAAAAAAAAAAAAAAAAAAAAAAAAAAAAAAAAAAAAAAAAAAAAABQAAAAAAAAAwMD/AAAAAABkAAAAMgAAAAAAAABkAAAAAAAAAH9/fwAKAAAAHwAAAFQAAAC74OMF////AQAAAAAAAAAAAAAAAAAAAAAAAAAAAAAAAAAAAAAAAAAAAAAAAn9/fwCAgIADzMzMAMDA/wB/f38AAAAAAAAAAAAAAAAAAAAAAAAAAAAhAAAAGAAAABQAAAB7FwAABREAALAZAABFEwAAECAAACYAAAAIAAAA//////////8="/>
+                <pr:smNativeData xmlns:pr="smNativeData" val="SMDATA_13_gcGAXRMAAAAlAAAAEgAAAE8BAAAAkAAAAEgAAACQAAAASAAAAAAAAAAAAAAAAAAAAAEAAABQAAAAAAAAAAAA4D8AAAAAAADgPwAAAAAAAOA/AAAAAAAA4D8AAAAAAADgPwAAAAAAAOA/AAAAAAAA4D8AAAAAAADgPwAAAAAAAOA/AAAAAAAA4D8CAAAAjAAAAAAAAAAAAAAAu+DjDP///wgAAAAAAAAAAAAAAAAAAAAAAAAAAAAAAAAAAAAAZAAAAAEAAABAAAAAAAAAAAAAAAAAAAAAAAAAAAAAAAAAAAAAAAAAAAAAAAAAAAAAAAAAAAAAAAAAAAAAAAAAAAAAAAAAAAAAAAAAAAAAAAAAAAAAAAAAAAAAAAAAAAAAFAAAADwAAAAAAAAAAAAAAAAAAAkUAAAAAQAAABQAAAAUAAAAFAAAAAEAAAAAAAAAZAAAAGQAAAAAAAAAZAAAAGQAAAAVAAAAYAAAAAAAAAAAAAAADwAAACADAAAAAAAAAAAAAAEAAACgMgAAVgcAAKr4//8BAAAAf39/AAEAAABkAAAAAAAAABQAAABAHwAAAAAAACYAAAAAAAAAwOD//wAAAAAmAAAAZAAAABYAAABMAAAAAAAAAAAAAAAEAAAAAAAAAAEAAACAgIAKAAAAACgAAAAoAAAAZAAAAGQAAAAAAAAAzMzMAAAAAABQAAAAUAAAAGQAAABkAAAAAAAAABcAAAAUAAAAAAAAANwIAAD/fwAA/38AAAAAAAAJAAAABAAAAGxyIHYMAAAAEAAAAAAAAAAAAAAAAAAAAAAAAAAeAAAAaAAAAAAAAAAAAAAAAAAAAAAAAAAAAAAAECcAABAnAAAAAAAAAAAAAAAAAAAAAAAAAAAAAAAAAAAAAAAAAAAAABQAAAAAAAAAwMD/AAAAAABkAAAAMgAAAAAAAABkAAAAAAAAAH9/fwAKAAAAHwAAAFQAAAC74OMF////AQAAAAAAAAAAAAAAAAAAAAAAAAAAAAAAAAAAAAAAAAAAAAAAAn9/fwCAgIADzMzMAMDA/wB/f38AAAAAAAAAAAAAAAAAAAAAAAAAAAAhAAAAGAAAABQAAAB7FwAABREAALAZAABFEwAAECAAACYAAAAIAAAA//////////8="/>
               </a:ext>
             </a:extLst>
           </p:cNvSpPr>
@@ -4759,7 +4759,7 @@
           <p:cNvSpPr txBox="1">
             <a:extLst>
               <a:ext uri="smNativeData">
-                <pr:smNativeData xmlns:pr="smNativeData" val="SMDATA_13_IrKAXRMAAAAlAAAAEgAAAE8BAAAAkAAAAEgAAACQAAAASAAAAAAAAAAAAAAAAAAAAAEAAABQAAAAAAAAAAAA4D8AAAAAAADgPwAAAAAAAOA/AAAAAAAA4D8AAAAAAADgPwAAAAAAAOA/AAAAAAAA4D8AAAAAAADgPwAAAAAAAOA/AAAAAAAA4D8CAAAAjAAAAAAAAAAAAAAAu+DjDP///wgAAAAAAAAAAAAAAAAAAAAAAAAAAAAAAAAAAAAAZAAAAAEAAABAAAAAAAAAAAAAAAAAAAAAAAAAAAAAAAAAAAAAAAAAAAAAAAAAAAAAAAAAAAAAAAAAAAAAAAAAAAAAAAAAAAAAAAAAAAAAAAAAAAAAAAAAAAAAAAAAAAAAFAAAADwAAAAAAAAAAAAAAAAAAAkUAAAAAQAAABQAAAAUAAAAFAAAAAEAAAAAAAAAZAAAAGQAAAAAAAAAZAAAAGQAAAAVAAAAYAAAAAAAAAAAAAAADwAAACADAAAAAAAAAAAAAAEAAACgMgAAVgcAAKr4//8BAAAAf39/AAEAAABkAAAAAAAAABQAAABAHwAAAAAAACYAAAAAAAAAwOD//wAAAAAmAAAAZAAAABYAAABMAAAAAAAAAAAAAAAEAAAAAAAAAAEAAACAgIAKAAAAACgAAAAoAAAAZAAAAGQAAAAAAAAAzMzMAAAAAABQAAAAUAAAAGQAAABkAAAAAAAAABcAAAAUAAAAAAAAANwIAAD/fwAA/38AAAAAAAAJAAAABAAAAAAAAAAMAAAAEAAAAAAAAAAAAAAAAAAAAAAAAAAeAAAAaAAAAAAAAAAAAAAAAAAAAAAAAAAAAAAAECcAABAnAAAAAAAAAAAAAAAAAAAAAAAAAAAAAAAAAAAAAAAAAAAAABQAAAAAAAAAwMD/AAAAAABkAAAAMgAAAAAAAABkAAAAAAAAAH9/fwAKAAAAHwAAAFQAAAC74OMF////AQAAAAAAAAAAAAAAAAAAAAAAAAAAAAAAAAAAAAAAAAAAAAAAAn9/fwCAgIADzMzMAMDA/wB/f38AAAAAAAAAAAAAAAAAAAAAAAAAAAAhAAAAGAAAABQAAAAZIwAA6xAAAE4lAAArEwAAECAAACYAAAAIAAAA//////////8="/>
+                <pr:smNativeData xmlns:pr="smNativeData" val="SMDATA_13_gcGAXRMAAAAlAAAAEgAAAE8BAAAAkAAAAEgAAACQAAAASAAAAAAAAAAAAAAAAAAAAAEAAABQAAAAAAAAAAAA4D8AAAAAAADgPwAAAAAAAOA/AAAAAAAA4D8AAAAAAADgPwAAAAAAAOA/AAAAAAAA4D8AAAAAAADgPwAAAAAAAOA/AAAAAAAA4D8CAAAAjAAAAAAAAAAAAAAAu+DjDP///wgAAAAAAAAAAAAAAAAAAAAAAAAAAAAAAAAAAAAAZAAAAAEAAABAAAAAAAAAAAAAAAAAAAAAAAAAAAAAAAAAAAAAAAAAAAAAAAAAAAAAAAAAAAAAAAAAAAAAAAAAAAAAAAAAAAAAAAAAAAAAAAAAAAAAAAAAAAAAAAAAAAAAFAAAADwAAAAAAAAAAAAAAAAAAAkUAAAAAQAAABQAAAAUAAAAFAAAAAEAAAAAAAAAZAAAAGQAAAAAAAAAZAAAAGQAAAAVAAAAYAAAAAAAAAAAAAAADwAAACADAAAAAAAAAAAAAAEAAACgMgAAVgcAAKr4//8BAAAAf39/AAEAAABkAAAAAAAAABQAAABAHwAAAAAAACYAAAAAAAAAwOD//wAAAAAmAAAAZAAAABYAAABMAAAAAAAAAAAAAAAEAAAAAAAAAAEAAACAgIAKAAAAACgAAAAoAAAAZAAAAGQAAAAAAAAAzMzMAAAAAABQAAAAUAAAAGQAAABkAAAAAAAAABcAAAAUAAAAAAAAANwIAAD/fwAA/38AAAAAAAAJAAAABAAAAAAAAAAMAAAAEAAAAAAAAAAAAAAAAAAAAAAAAAAeAAAAaAAAAAAAAAAAAAAAAAAAAAAAAAAAAAAAECcAABAnAAAAAAAAAAAAAAAAAAAAAAAAAAAAAAAAAAAAAAAAAAAAABQAAAAAAAAAwMD/AAAAAABkAAAAMgAAAAAAAABkAAAAAAAAAH9/fwAKAAAAHwAAAFQAAAC74OMF////AQAAAAAAAAAAAAAAAAAAAAAAAAAAAAAAAAAAAAAAAAAAAAAAAn9/fwCAgIADzMzMAMDA/wB/f38AAAAAAAAAAAAAAAAAAAAAAAAAAAAhAAAAGAAAABQAAAAZIwAA6xAAAE4lAAArEwAAECAAACYAAAAIAAAA//////////8="/>
               </a:ext>
             </a:extLst>
           </p:cNvSpPr>
@@ -4805,7 +4805,7 @@
           <p:cNvSpPr txBox="1">
             <a:extLst>
               <a:ext uri="smNativeData">
-                <pr:smNativeData xmlns:pr="smNativeData" val="SMDATA_13_IrKAXRMAAAAlAAAAEgAAAE8BAAAAkAAAAEgAAACQAAAASAAAAAAAAAAAAAAAAAAAAAEAAABQAAAAAAAAAAAA4D8AAAAAAADgPwAAAAAAAOA/AAAAAAAA4D8AAAAAAADgPwAAAAAAAOA/AAAAAAAA4D8AAAAAAADgPwAAAAAAAOA/AAAAAAAA4D8CAAAAjAAAAAAAAAAAAAAAu+DjDP///wgAAAAAAAAAAAAAAAAAAAAAAAAAAAAAAAAAAAAAZAAAAAEAAABAAAAAAAAAAAAAAAAAAAAAAAAAAAAAAAAAAAAAAAAAAAAAAAAAAAAAAAAAAAAAAAAAAAAAAAAAAAAAAAAAAAAAAAAAAAAAAAAAAAAAAAAAAAAAAAAAAAAAFAAAADwAAAAAAAAAAAAAAAAAAAkUAAAAAQAAABQAAAAUAAAAFAAAAAEAAAAAAAAAZAAAAGQAAAAAAAAAZAAAAGQAAAAVAAAAYAAAAAAAAAAAAAAADwAAACADAAAAAAAAAAAAAAEAAACgMgAAVgcAAKr4//8BAAAAf39/AAEAAABkAAAAAAAAABQAAABAHwAAAAAAACYAAAAAAAAAwOD//wAAAAAmAAAAZAAAABYAAABMAAAAAAAAAAAAAAAEAAAAAAAAAAEAAACAgIAKAAAAACgAAAAoAAAAZAAAAGQAAAAAAAAAzMzMAAAAAABQAAAAUAAAAGQAAABkAAAAAAAAABcAAAAUAAAAAAAAANwIAAD/fwAA/38AAAAAAAAJAAAABAAAAAAAAAAMAAAAEAAAAAAAAAAAAAAAAAAAAAAAAAAeAAAAaAAAAAAAAAAAAAAAAAAAAAAAAAAAAAAAECcAABAnAAAAAAAAAAAAAAAAAAAAAAAAAAAAAAAAAAAAAAAAAAAAABQAAAAAAAAAwMD/AAAAAABkAAAAMgAAAAAAAABkAAAAAAAAAH9/fwAKAAAAHwAAAFQAAAC74OMF////AQAAAAAAAAAAAAAAAAAAAAAAAAAAAAAAAAAAAAAAAAAAAAAAAn9/fwCAgIADzMzMAMDA/wB/f38AAAAAAAAAAAAAAAAAAAAAAAAAAAAhAAAAGAAAABQAAABiLgAAgQwAAJcwAADBDgAAECAAACYAAAAIAAAA//////////8="/>
+                <pr:smNativeData xmlns:pr="smNativeData" val="SMDATA_13_gcGAXRMAAAAlAAAAEgAAAE8BAAAAkAAAAEgAAACQAAAASAAAAAAAAAAAAAAAAAAAAAEAAABQAAAAAAAAAAAA4D8AAAAAAADgPwAAAAAAAOA/AAAAAAAA4D8AAAAAAADgPwAAAAAAAOA/AAAAAAAA4D8AAAAAAADgPwAAAAAAAOA/AAAAAAAA4D8CAAAAjAAAAAAAAAAAAAAAu+DjDP///wgAAAAAAAAAAAAAAAAAAAAAAAAAAAAAAAAAAAAAZAAAAAEAAABAAAAAAAAAAAAAAAAAAAAAAAAAAAAAAAAAAAAAAAAAAAAAAAAAAAAAAAAAAAAAAAAAAAAAAAAAAAAAAAAAAAAAAAAAAAAAAAAAAAAAAAAAAAAAAAAAAAAAFAAAADwAAAAAAAAAAAAAAAAAAAkUAAAAAQAAABQAAAAUAAAAFAAAAAEAAAAAAAAAZAAAAGQAAAAAAAAAZAAAAGQAAAAVAAAAYAAAAAAAAAAAAAAADwAAACADAAAAAAAAAAAAAAEAAACgMgAAVgcAAKr4//8BAAAAf39/AAEAAABkAAAAAAAAABQAAABAHwAAAAAAACYAAAAAAAAAwOD//wAAAAAmAAAAZAAAABYAAABMAAAAAAAAAAAAAAAEAAAAAAAAAAEAAACAgIAKAAAAACgAAAAoAAAAZAAAAGQAAAAAAAAAzMzMAAAAAABQAAAAUAAAAGQAAABkAAAAAAAAABcAAAAUAAAAAAAAANwIAAD/fwAA/38AAAAAAAAJAAAABAAAAAAAAAAMAAAAEAAAAAAAAAAAAAAAAAAAAAAAAAAeAAAAaAAAAAAAAAAAAAAAAAAAAAAAAAAAAAAAECcAABAnAAAAAAAAAAAAAAAAAAAAAAAAAAAAAAAAAAAAAAAAAAAAABQAAAAAAAAAwMD/AAAAAABkAAAAMgAAAAAAAABkAAAAAAAAAH9/fwAKAAAAHwAAAFQAAAC74OMF////AQAAAAAAAAAAAAAAAAAAAAAAAAAAAAAAAAAAAAAAAAAAAAAAAn9/fwCAgIADzMzMAMDA/wB/f38AAAAAAAAAAAAAAAAAAAAAAAAAAAAhAAAAGAAAABQAAABiLgAAgQwAAJcwAADBDgAAECAAACYAAAAIAAAA//////////8="/>
               </a:ext>
             </a:extLst>
           </p:cNvSpPr>
@@ -4851,7 +4851,7 @@
           <p:cNvSpPr txBox="1">
             <a:extLst>
               <a:ext uri="smNativeData">
-                <pr:smNativeData xmlns:pr="smNativeData" val="SMDATA_13_IrKAXRMAAAAlAAAAEgAAAE8BAAAAkAAAAEgAAACQAAAASAAAAAAAAAAAAAAAAAAAAAEAAABQAAAAAAAAAAAA4D8AAAAAAADgPwAAAAAAAOA/AAAAAAAA4D8AAAAAAADgPwAAAAAAAOA/AAAAAAAA4D8AAAAAAADgPwAAAAAAAOA/AAAAAAAA4D8CAAAAjAAAAAAAAAAAAAAAu+DjDP///wgAAAAAAAAAAAAAAAAAAAAAAAAAAAAAAAAAAAAAZAAAAAEAAABAAAAAAAAAAAAAAAAAAAAAAAAAAAAAAAAAAAAAAAAAAAAAAAAAAAAAAAAAAAAAAAAAAAAAAAAAAAAAAAAAAAAAAAAAAAAAAAAAAAAAAAAAAAAAAAAAAAAAFAAAADwAAAAAAAAAAAAAAAAAAAkUAAAAAQAAABQAAAAUAAAAFAAAAAEAAAAAAAAAZAAAAGQAAAAAAAAAZAAAAGQAAAAVAAAAYAAAAAAAAAAAAAAADwAAACADAAAAAAAAAAAAAAEAAACgMgAAVgcAAKr4//8BAAAAf39/AAEAAABkAAAAAAAAABQAAABAHwAAAAAAACYAAAAAAAAAwOD//wAAAAAmAAAAZAAAABYAAABMAAAAAAAAAAAAAAAEAAAAAAAAAAEAAACAgIAKAAAAACgAAAAoAAAAZAAAAGQAAAAAAAAAzMzMAAAAAABQAAAAUAAAAGQAAABkAAAAAAAAABcAAAAUAAAAAAAAANwIAAD/fwAA/38AAAAAAAAJAAAABAAAAAAAAAAMAAAAEAAAAAAAAAAAAAAAAAAAAAAAAAAeAAAAaAAAAAAAAAAAAAAAAAAAAAAAAAAAAAAAECcAABAnAAAAAAAAAAAAAAAAAAAAAAAAAAAAAAAAAAAAAAAAAAAAABQAAAAAAAAAwMD/AAAAAABkAAAAMgAAAAAAAABkAAAAAAAAAH9/fwAKAAAAHwAAAFQAAAC74OMF////AQAAAAAAAAAAAAAAAAAAAAAAAAAAAAAAAAAAAAAAAAAAAAAAAn9/fwCAgIADzMzMAMDA/wB/f38AAAAAAAAAAAAAAAAAAAAAAAAAAAAhAAAAGAAAABQAAADYGwAAgh4AAJUhAADCIAAAECAAACYAAAAIAAAA//////////8="/>
+                <pr:smNativeData xmlns:pr="smNativeData" val="SMDATA_13_gcGAXRMAAAAlAAAAEgAAAE8BAAAAkAAAAEgAAACQAAAASAAAAAAAAAAAAAAAAAAAAAEAAABQAAAAAAAAAAAA4D8AAAAAAADgPwAAAAAAAOA/AAAAAAAA4D8AAAAAAADgPwAAAAAAAOA/AAAAAAAA4D8AAAAAAADgPwAAAAAAAOA/AAAAAAAA4D8CAAAAjAAAAAAAAAAAAAAAu+DjDP///wgAAAAAAAAAAAAAAAAAAAAAAAAAAAAAAAAAAAAAZAAAAAEAAABAAAAAAAAAAAAAAAAAAAAAAAAAAAAAAAAAAAAAAAAAAAAAAAAAAAAAAAAAAAAAAAAAAAAAAAAAAAAAAAAAAAAAAAAAAAAAAAAAAAAAAAAAAAAAAAAAAAAAFAAAADwAAAAAAAAAAAAAAAAAAAkUAAAAAQAAABQAAAAUAAAAFAAAAAEAAAAAAAAAZAAAAGQAAAAAAAAAZAAAAGQAAAAVAAAAYAAAAAAAAAAAAAAADwAAACADAAAAAAAAAAAAAAEAAACgMgAAVgcAAKr4//8BAAAAf39/AAEAAABkAAAAAAAAABQAAABAHwAAAAAAACYAAAAAAAAAwOD//wAAAAAmAAAAZAAAABYAAABMAAAAAAAAAAAAAAAEAAAAAAAAAAEAAACAgIAKAAAAACgAAAAoAAAAZAAAAGQAAAAAAAAAzMzMAAAAAABQAAAAUAAAAGQAAABkAAAAAAAAABcAAAAUAAAAAAAAANwIAAD/fwAA/38AAAAAAAAJAAAABAAAAAAAAAAMAAAAEAAAAAAAAAAAAAAAAAAAAAAAAAAeAAAAaAAAAAAAAAAAAAAAAAAAAAAAAAAAAAAAECcAABAnAAAAAAAAAAAAAAAAAAAAAAAAAAAAAAAAAAAAAAAAAAAAABQAAAAAAAAAwMD/AAAAAABkAAAAMgAAAAAAAABkAAAAAAAAAH9/fwAKAAAAHwAAAFQAAAC74OMF////AQAAAAAAAAAAAAAAAAAAAAAAAAAAAAAAAAAAAAAAAAAAAAAAAn9/fwCAgIADzMzMAMDA/wB/f38AAAAAAAAAAAAAAAAAAAAAAAAAAAAhAAAAGAAAABQAAADYGwAAgh4AAJUhAADCIAAAECAAACYAAAAIAAAA//////////8="/>
               </a:ext>
             </a:extLst>
           </p:cNvSpPr>
@@ -4897,7 +4897,7 @@
           <p:cNvSpPr txBox="1">
             <a:extLst>
               <a:ext uri="smNativeData">
-                <pr:smNativeData xmlns:pr="smNativeData" val="SMDATA_13_IrKAXRMAAAAlAAAAEgAAAA8BAAAAkAAAAEgAAACQAAAASAAAAAAAAAAAAAAAAAAAAAEAAABQAAAAAAAAAAAA4D8AAAAAAADgPwAAAAAAAOA/AAAAAAAA4D8AAAAAAADgPwAAAAAAAOA/AAAAAAAA4D8AAAAAAADgPwAAAAAAAOA/AAAAAAAA4D8CAAAAjAAAAAAAAAAAAAAAu+DjDP///wgAAAAAAAAAAAAAAAAAAAAAAAAAAAAAAAAAAAAAZAAAAAEAAABAAAAAAAAAAAAAAAAAAAAAAAAAAAAAAAAAAAAAAAAAAAAAAAAAAAAAAAAAAAAAAAAAAAAAAAAAAAAAAAAAAAAAAAAAAAAAAAAAAAAAAAAAAAAAAAAAAAAAFAAAADwAAAAAAAAAAAAAAAAAAAkUAAAAAQAAABQAAAAUAAAAFAAAAAEAAAAAAAAAZAAAAGQAAAAAAAAAZAAAAGQAAAAVAAAAYAAAAAAAAAAAAAAADwAAACADAAAAAAAAAAAAAAEAAACgMgAAVgcAAKr4//8BAAAAf39/AAEAAABkAAAAAAAAABQAAABAHwAAAAAAACYAAAAAAAAAwOD//wAAAAAmAAAAZAAAABYAAABMAAAAAAAAAAAAAAAEAAAAAAAAAAEAAACAgIAKAAAAACgAAAAoAAAAZAAAAGQAAAAAAAAAzMzMAAAAAABQAAAAUAAAAGQAAABkAAAAAAAAABcAAAAUAAAAAAAAANwIAAD/fwAA/38AAAAAAAAJAAAABAAAADAYIQIMAAAAEAAAAAAAAAAAAAAAAAAAAAAAAAAeAAAAaAAAAAAAAAAAAAAAAAAAAAAAAAAAAAAAECcAABAnAAAAAAAAAAAAAAAAAAAAAAAAAAAAAAAAAAAAAAAAAAAAABQAAAAAAAAAwMD/AAAAAABkAAAAMgAAAAAAAABkAAAAAAAAAH9/fwAKAAAAHwAAAFQAAAC74OMF////AQAAAAAAAAAAAAAAAAAAAAAAAAAAAAAAAAAAAAAAAAAAAAAAAn9/fwCAgIADzMzMAMDA/wB/f38AAAAAAAAAAAAAAAAAAAAAAAAAAAAhAAAAGAAAABQAAACFJQAA3yIAAEA4AAAwKgAAEAAAACYAAAAIAAAA//////////8="/>
+                <pr:smNativeData xmlns:pr="smNativeData" val="SMDATA_13_gcGAXRMAAAAlAAAAEgAAAA8BAAAAkAAAAEgAAACQAAAASAAAAAAAAAAAAAAAAAAAAAEAAABQAAAAAAAAAAAA4D8AAAAAAADgPwAAAAAAAOA/AAAAAAAA4D8AAAAAAADgPwAAAAAAAOA/AAAAAAAA4D8AAAAAAADgPwAAAAAAAOA/AAAAAAAA4D8CAAAAjAAAAAAAAAAAAAAAu+DjDP///wgAAAAAAAAAAAAAAAAAAAAAAAAAAAAAAAAAAAAAZAAAAAEAAABAAAAAAAAAAAAAAAAAAAAAAAAAAAAAAAAAAAAAAAAAAAAAAAAAAAAAAAAAAAAAAAAAAAAAAAAAAAAAAAAAAAAAAAAAAAAAAAAAAAAAAAAAAAAAAAAAAAAAFAAAADwAAAAAAAAAAAAAAAAAAAkUAAAAAQAAABQAAAAUAAAAFAAAAAEAAAAAAAAAZAAAAGQAAAAAAAAAZAAAAGQAAAAVAAAAYAAAAAAAAAAAAAAADwAAACADAAAAAAAAAAAAAAEAAACgMgAAVgcAAKr4//8BAAAAf39/AAEAAABkAAAAAAAAABQAAABAHwAAAAAAACYAAAAAAAAAwOD//wAAAAAmAAAAZAAAABYAAABMAAAAAAAAAAAAAAAEAAAAAAAAAAEAAACAgIAKAAAAACgAAAAoAAAAZAAAAGQAAAAAAAAAzMzMAAAAAABQAAAAUAAAAGQAAABkAAAAAAAAABcAAAAUAAAAAAAAANwIAAD/fwAA/38AAAAAAAAJAAAABAAAADAYIQIMAAAAEAAAAAAAAAAAAAAAAAAAAAAAAAAeAAAAaAAAAAAAAAAAAAAAAAAAAAAAAAAAAAAAECcAABAnAAAAAAAAAAAAAAAAAAAAAAAAAAAAAAAAAAAAAAAAAAAAABQAAAAAAAAAwMD/AAAAAABkAAAAMgAAAAAAAABkAAAAAAAAAH9/fwAKAAAAHwAAAFQAAAC74OMF////AQAAAAAAAAAAAAAAAAAAAAAAAAAAAAAAAAAAAAAAAAAAAAAAAn9/fwCAgIADzMzMAMDA/wB/f38AAAAAAAAAAAAAAAAAAAAAAAAAAAAhAAAAGAAAABQAAACFJQAA3yIAAEA4AAAwKgAAEAAAACYAAAAIAAAA//////////8="/>
               </a:ext>
             </a:extLst>
           </p:cNvSpPr>
@@ -5006,7 +5006,7 @@
           <p:cNvSpPr txBox="1">
             <a:extLst>
               <a:ext uri="smNativeData">
-                <pr:smNativeData xmlns:pr="smNativeData" val="SMDATA_13_IrKAXRMAAAAlAAAAEgAAAE8BAAAAkAAAAEgAAACQAAAASAAAAAAAAAAAAAAAAAAAAAEAAABQAAAAAAAAAAAA4D8AAAAAAADgPwAAAAAAAOA/AAAAAAAA4D8AAAAAAADgPwAAAAAAAOA/AAAAAAAA4D8AAAAAAADgPwAAAAAAAOA/AAAAAAAA4D8CAAAAjAAAAAAAAAAAAAAAu+DjDP///wgAAAAAAAAAAAAAAAAAAAAAAAAAAAAAAAAAAAAAZAAAAAEAAABAAAAAAAAAAAAAAAAAAAAAAAAAAAAAAAAAAAAAAAAAAAAAAAAAAAAAAAAAAAAAAAAAAAAAAAAAAAAAAAAAAAAAAAAAAAAAAAAAAAAAAAAAAAAAAAAAAAAAFAAAADwAAAAAAAAAAAAAAAAAAAkUAAAAAQAAABQAAAAUAAAAFAAAAAEAAAAAAAAAZAAAAGQAAAAAAAAAZAAAAGQAAAAVAAAAYAAAAAAAAAAAAAAADwAAACADAAAAAAAAAAAAAAEAAACgMgAAVgcAAKr4//8BAAAAf39/AAEAAABkAAAAAAAAABQAAABAHwAAAAAAACYAAAAAAAAAwOD//wAAAAAmAAAAZAAAABYAAABMAAAAAAAAAAAAAAAEAAAAAAAAAAEAAACAgIAKAAAAACgAAAAoAAAAZAAAAGQAAAAAAAAAzMzMAAAAAABQAAAAUAAAAGQAAABkAAAAAAAAABcAAAAUAAAAAAAAANwIAAD/fwAA/38AAAAAAAAJAAAABAAAAHlsZT4MAAAAEAAAAAAAAAAAAAAAAAAAAAAAAAAeAAAAaAAAAAAAAAAAAAAAAAAAAAAAAAAAAAAAECcAABAnAAAAAAAAAAAAAAAAAAAAAAAAAAAAAAAAAAAAAAAAAAAAABQAAAAAAAAAwMD/AAAAAABkAAAAMgAAAAAAAABkAAAAAAAAAH9/fwAKAAAAHwAAAFQAAAC74OMF////AQAAAAAAAAAAAAAAAAAAAAAAAAAAAAAAAAAAAAAAAAAAAAAAAn9/fwCAgIADzMzMAMDA/wB/f38AAAAAAAAAAAAAAAAAAAAAAAAAAAAhAAAAGAAAABQAAADdAgAA7RoAALkLAADNHwAAECAAACYAAAAIAAAA//////////8="/>
+                <pr:smNativeData xmlns:pr="smNativeData" val="SMDATA_13_gcGAXRMAAAAlAAAAEgAAAE8BAAAAkAAAAEgAAACQAAAASAAAAAAAAAAAAAAAAAAAAAEAAABQAAAAAAAAAAAA4D8AAAAAAADgPwAAAAAAAOA/AAAAAAAA4D8AAAAAAADgPwAAAAAAAOA/AAAAAAAA4D8AAAAAAADgPwAAAAAAAOA/AAAAAAAA4D8CAAAAjAAAAAAAAAAAAAAAu+DjDP///wgAAAAAAAAAAAAAAAAAAAAAAAAAAAAAAAAAAAAAZAAAAAEAAABAAAAAAAAAAAAAAAAAAAAAAAAAAAAAAAAAAAAAAAAAAAAAAAAAAAAAAAAAAAAAAAAAAAAAAAAAAAAAAAAAAAAAAAAAAAAAAAAAAAAAAAAAAAAAAAAAAAAAFAAAADwAAAAAAAAAAAAAAAAAAAkUAAAAAQAAABQAAAAUAAAAFAAAAAEAAAAAAAAAZAAAAGQAAAAAAAAAZAAAAGQAAAAVAAAAYAAAAAAAAAAAAAAADwAAACADAAAAAAAAAAAAAAEAAACgMgAAVgcAAKr4//8BAAAAf39/AAEAAABkAAAAAAAAABQAAABAHwAAAAAAACYAAAAAAAAAwOD//wAAAAAmAAAAZAAAABYAAABMAAAAAAAAAAAAAAAEAAAAAAAAAAEAAACAgIAKAAAAACgAAAAoAAAAZAAAAGQAAAAAAAAAzMzMAAAAAABQAAAAUAAAAGQAAABkAAAAAAAAABcAAAAUAAAAAAAAANwIAAD/fwAA/38AAAAAAAAJAAAABAAAAHlsZT4MAAAAEAAAAAAAAAAAAAAAAAAAAAAAAAAeAAAAaAAAAAAAAAAAAAAAAAAAAAAAAAAAAAAAECcAABAnAAAAAAAAAAAAAAAAAAAAAAAAAAAAAAAAAAAAAAAAAAAAABQAAAAAAAAAwMD/AAAAAABkAAAAMgAAAAAAAABkAAAAAAAAAH9/fwAKAAAAHwAAAFQAAAC74OMF////AQAAAAAAAAAAAAAAAAAAAAAAAAAAAAAAAAAAAAAAAAAAAAAAAn9/fwCAgIADzMzMAMDA/wB/f38AAAAAAAAAAAAAAAAAAAAAAAAAAAAhAAAAGAAAABQAAADdAgAA7RoAALkLAADNHwAAECAAACYAAAAIAAAA//////////8="/>
               </a:ext>
             </a:extLst>
           </p:cNvSpPr>
@@ -5061,7 +5061,7 @@
           <p:cNvSpPr txBox="1">
             <a:extLst>
               <a:ext uri="smNativeData">
-                <pr:smNativeData xmlns:pr="smNativeData" val="SMDATA_13_IrKAXRMAAAAlAAAAEgAAAE8BAAAAkAAAAEgAAACQAAAASAAAAAAAAAAAAAAAAAAAAAEAAABQAAAAAAAAAAAA4D8AAAAAAADgPwAAAAAAAOA/AAAAAAAA4D8AAAAAAADgPwAAAAAAAOA/AAAAAAAA4D8AAAAAAADgPwAAAAAAAOA/AAAAAAAA4D8CAAAAjAAAAAAAAAAAAAAAu+DjDP///wgAAAAAAAAAAAAAAAAAAAAAAAAAAAAAAAAAAAAAZAAAAAEAAABAAAAAAAAAAAAAAAAAAAAAAAAAAAAAAAAAAAAAAAAAAAAAAAAAAAAAAAAAAAAAAAAAAAAAAAAAAAAAAAAAAAAAAAAAAAAAAAAAAAAAAAAAAAAAAAAAAAAAFAAAADwAAAAAAAAAAAAAAAAAAAkUAAAAAQAAABQAAAAUAAAAFAAAAAEAAAAAAAAAZAAAAGQAAAAAAAAAZAAAAGQAAAAVAAAAYAAAAAAAAAAAAAAADwAAACADAAAAAAAAAAAAAAEAAACgMgAAVgcAAKr4//8BAAAAf39/AAEAAABkAAAAAAAAABQAAABAHwAAAAAAACYAAAAAAAAAwOD//wAAAAAmAAAAZAAAABYAAABMAAAAAAAAAAAAAAAEAAAAAAAAAAEAAACAgIAKAAAAACgAAAAoAAAAZAAAAGQAAAAAAAAAzMzMAAAAAABQAAAAUAAAAGQAAABkAAAAAAAAABcAAAAUAAAAAAAAANwIAAD/fwAA/38AAAAAAAAJAAAABAAAAAIA/f8MAAAAEAAAAAAAAAAAAAAAAAAAAAAAAAAeAAAAaAAAAAAAAAAAAAAAAAAAAAAAAAAAAAAAECcAABAnAAAAAAAAAAAAAAAAAAAAAAAAAAAAAAAAAAAAAAAAAAAAABQAAAAAAAAAwMD/AAAAAABkAAAAMgAAAAAAAABkAAAAAAAAAH9/fwAKAAAAHwAAAFQAAAC74OMF////AQAAAAAAAAAAAAAAAAAAAAAAAAAAAAAAAAAAAAAAAAAAAAAAAn9/fwCAgIADzMzMAMDA/wB/f38AAAAAAAAAAAAAAAAAAAAAAAAAAAAhAAAAGAAAABQAAABtBgAAxxgAAKIIAAAHGwAAECAAACYAAAAIAAAA//////////8="/>
+                <pr:smNativeData xmlns:pr="smNativeData" val="SMDATA_13_gcGAXRMAAAAlAAAAEgAAAE8BAAAAkAAAAEgAAACQAAAASAAAAAAAAAAAAAAAAAAAAAEAAABQAAAAAAAAAAAA4D8AAAAAAADgPwAAAAAAAOA/AAAAAAAA4D8AAAAAAADgPwAAAAAAAOA/AAAAAAAA4D8AAAAAAADgPwAAAAAAAOA/AAAAAAAA4D8CAAAAjAAAAAAAAAAAAAAAu+DjDP///wgAAAAAAAAAAAAAAAAAAAAAAAAAAAAAAAAAAAAAZAAAAAEAAABAAAAAAAAAAAAAAAAAAAAAAAAAAAAAAAAAAAAAAAAAAAAAAAAAAAAAAAAAAAAAAAAAAAAAAAAAAAAAAAAAAAAAAAAAAAAAAAAAAAAAAAAAAAAAAAAAAAAAFAAAADwAAAAAAAAAAAAAAAAAAAkUAAAAAQAAABQAAAAUAAAAFAAAAAEAAAAAAAAAZAAAAGQAAAAAAAAAZAAAAGQAAAAVAAAAYAAAAAAAAAAAAAAADwAAACADAAAAAAAAAAAAAAEAAACgMgAAVgcAAKr4//8BAAAAf39/AAEAAABkAAAAAAAAABQAAABAHwAAAAAAACYAAAAAAAAAwOD//wAAAAAmAAAAZAAAABYAAABMAAAAAAAAAAAAAAAEAAAAAAAAAAEAAACAgIAKAAAAACgAAAAoAAAAZAAAAGQAAAAAAAAAzMzMAAAAAABQAAAAUAAAAGQAAABkAAAAAAAAABcAAAAUAAAAAAAAANwIAAD/fwAA/38AAAAAAAAJAAAABAAAAAIA/f8MAAAAEAAAAAAAAAAAAAAAAAAAAAAAAAAeAAAAaAAAAAAAAAAAAAAAAAAAAAAAAAAAAAAAECcAABAnAAAAAAAAAAAAAAAAAAAAAAAAAAAAAAAAAAAAAAAAAAAAABQAAAAAAAAAwMD/AAAAAABkAAAAMgAAAAAAAABkAAAAAAAAAH9/fwAKAAAAHwAAAFQAAAC74OMF////AQAAAAAAAAAAAAAAAAAAAAAAAAAAAAAAAAAAAAAAAAAAAAAAAn9/fwCAgIADzMzMAMDA/wB/f38AAAAAAAAAAAAAAAAAAAAAAAAAAAAhAAAAGAAAABQAAABtBgAAxxgAAKIIAAAHGwAAECAAACYAAAAIAAAA//////////8="/>
               </a:ext>
             </a:extLst>
           </p:cNvSpPr>
@@ -5107,7 +5107,7 @@
           <p:cNvSpPr txBox="1">
             <a:extLst>
               <a:ext uri="smNativeData">
-                <pr:smNativeData xmlns:pr="smNativeData" val="SMDATA_13_IrKAXRMAAAAlAAAAEgAAAA8BAAAAkAAAAEgAAACQAAAASAAAAAAAAAAAAAAAAAAAAAEAAABQAAAAAAAAAAAA4D8AAAAAAADgPwAAAAAAAOA/AAAAAAAA4D8AAAAAAADgPwAAAAAAAOA/AAAAAAAA4D8AAAAAAADgPwAAAAAAAOA/AAAAAAAA4D8CAAAAjAAAAAAAAAAAAAAAu+DjDP///wgAAAAAAAAAAAAAAAAAAAAAAAAAAAAAAAAAAAAAZAAAAAEAAABAAAAAAAAAAAAAAAAAAAAAAAAAAAAAAAAAAAAAAAAAAAAAAAAAAAAAAAAAAAAAAAAAAAAAAAAAAAAAAAAAAAAAAAAAAAAAAAAAAAAAAAAAAAAAAAAAAAAAFAAAADwAAAAAAAAAAAAAAAAAAAkUAAAAAQAAABQAAAAUAAAAFAAAAAEAAAAAAAAAZAAAAGQAAAAAAAAAZAAAAGQAAAAVAAAAYAAAAAAAAAAAAAAADwAAACADAAAAAAAAAAAAAAEAAACgMgAAVgcAAKr4//8BAAAAf39/AAEAAABkAAAAAAAAABQAAABAHwAAAAAAACYAAAAAAAAAwOD//wAAAAAmAAAAZAAAABYAAABMAAAAAAAAAAAAAAAEAAAAAAAAAAEAAACAgIAKAAAAACgAAAAoAAAAZAAAAGQAAAAAAAAAzMzMAAAAAABQAAAAUAAAAGQAAABkAAAAAAAAABcAAAAUAAAAAAAAANwIAAD/fwAA/38AAAAAAAAJAAAABAAAAAAAAAAMAAAAEAAAAAAAAAAAAAAAAAAAAAAAAAAeAAAAaAAAAAAAAAAAAAAAAAAAAAAAAAAAAAAAECcAABAnAAAAAAAAAAAAAAAAAAAAAAAAAAAAAAAAAAAAAAAAAAAAABQAAAAAAAAAwMD/AAAAAABkAAAAMgAAAAAAAABkAAAAAAAAAH9/fwAKAAAAHwAAAFQAAAC74OMF////AQAAAAAAAAAAAAAAAAAAAAAAAAAAAAAAAAAAAAAAAAAAAAAAAn9/fwCAgIADzMzMAMDA/wB/f38AAAAAAAAAAAAAAAAAAAAAAAAAAAAhAAAAGAAAABQAAAA0AgAAGyEAAOsLAAB+KQAAEAAAACYAAAAIAAAA//////////8="/>
+                <pr:smNativeData xmlns:pr="smNativeData" val="SMDATA_13_gcGAXRMAAAAlAAAAEgAAAA8BAAAAkAAAAEgAAACQAAAASAAAAAAAAAAAAAAAAAAAAAEAAABQAAAAAAAAAAAA4D8AAAAAAADgPwAAAAAAAOA/AAAAAAAA4D8AAAAAAADgPwAAAAAAAOA/AAAAAAAA4D8AAAAAAADgPwAAAAAAAOA/AAAAAAAA4D8CAAAAjAAAAAAAAAAAAAAAu+DjDP///wgAAAAAAAAAAAAAAAAAAAAAAAAAAAAAAAAAAAAAZAAAAAEAAABAAAAAAAAAAAAAAAAAAAAAAAAAAAAAAAAAAAAAAAAAAAAAAAAAAAAAAAAAAAAAAAAAAAAAAAAAAAAAAAAAAAAAAAAAAAAAAAAAAAAAAAAAAAAAAAAAAAAAFAAAADwAAAAAAAAAAAAAAAAAAAkUAAAAAQAAABQAAAAUAAAAFAAAAAEAAAAAAAAAZAAAAGQAAAAAAAAAZAAAAGQAAAAVAAAAYAAAAAAAAAAAAAAADwAAACADAAAAAAAAAAAAAAEAAACgMgAAVgcAAKr4//8BAAAAf39/AAEAAABkAAAAAAAAABQAAABAHwAAAAAAACYAAAAAAAAAwOD//wAAAAAmAAAAZAAAABYAAABMAAAAAAAAAAAAAAAEAAAAAAAAAAEAAACAgIAKAAAAACgAAAAoAAAAZAAAAGQAAAAAAAAAzMzMAAAAAABQAAAAUAAAAGQAAABkAAAAAAAAABcAAAAUAAAAAAAAANwIAAD/fwAA/38AAAAAAAAJAAAABAAAAAAAAAAMAAAAEAAAAAAAAAAAAAAAAAAAAAAAAAAeAAAAaAAAAAAAAAAAAAAAAAAAAAAAAAAAAAAAECcAABAnAAAAAAAAAAAAAAAAAAAAAAAAAAAAAAAAAAAAAAAAAAAAABQAAAAAAAAAwMD/AAAAAABkAAAAMgAAAAAAAABkAAAAAAAAAH9/fwAKAAAAHwAAAFQAAAC74OMF////AQAAAAAAAAAAAAAAAAAAAAAAAAAAAAAAAAAAAAAAAAAAAAAAAn9/fwCAgIADzMzMAMDA/wB/f38AAAAAAAAAAAAAAAAAAAAAAAAAAAAhAAAAGAAAABQAAAA0AgAAGyEAAOsLAAB+KQAAEAAAACYAAAAIAAAA//////////8="/>
               </a:ext>
             </a:extLst>
           </p:cNvSpPr>
@@ -5245,7 +5245,7 @@
             <a:picLocks noChangeAspect="1"/>
             <a:extLst>
               <a:ext uri="smNativeData">
-                <pr:smNativeData xmlns:pr="smNativeData" val="SMDATA_15_IrKAXRMAAAAlAAAAEQAAAC8BAAAAkAAAAEgAAACQAAAASAAAAAAAAAAAAAAAAAAAAAEAAABQAAAAAAAAAAAA4D8AAAAAAADgPwAAAAAAAOA/AAAAAAAA4D8AAAAAAADgPwAAAAAAAOA/AAAAAAAA4D8AAAAAAADgPwAAAAAAAOA/AAAAAAAA4D8CAAAAjAAAAAAAAAAAAAAAu+DjDP///wgAAAAAAAAAAAAAAAAAAAAAAAAAAAAAAAAAAAAAZAAAAAEAAABAAAAAAAAAAAAAAAAAAAAAAAAAAAAAAAAAAAAAAAAAAAAAAAAAAAAAAAAAAAAAAAAAAAAAAAAAAAAAAAAAAAAAAAAAAAAAAAAAAAAAAAAAAAAAAAAAAAAAFAAAADwAAAAAAAAAAAAAAAAAAAkUAAAAAQAAABQAAAAUAAAAFAAAAAEAAAAAAAAAZAAAAGQAAAAAAAAAZAAAAGQAAAAVAAAAYAAAAAAAAAAAAAAADwAAACADAAAAAAAAAAAAAAEAAACgMgAAVgcAAKr4//8BAAAAf39/AAEAAABkAAAAAAAAABQAAABAHwAAAAAAACYAAAAAAAAAwOD//wAAAAAmAAAAZAAAABYAAABMAAAAAAAAAAAAAAAEAAAAAAAAAAEAAACAgIAKAAAAACgAAAAoAAAAZAAAAGQAAAAAAAAAzMzMAAAAAABQAAAAUAAAAGQAAABkAAAAAAAAAAcAAAA4AAAAAAAAAAAAAAAAAAAA////AAAAAAAAAAAAAAAAAAAAAAAAAAAAAAAAAAAAAABkAAAAZAAAAAAAAAAjAAAABAAAAGQAAAAXAAAAFAAAAAAAAAAAAAAA/38AAP9/AAAAAAAACQAAAAQAAAAAAAAADAAAABAAAAAAAAAAAAAAAAAAAAAAAAAAHgAAAGgAAAAAAAAAAAAAAAAAAAAAAAAAAAAAABAnAAAQJwAAAAAAAAAAAAAAAAAAAAAAAAAAAAAAAAAAAAAAAAAAAAAUAAAAAAAAAMDA/wAAAAAAZAAAADIAAAAAAAAAZAAAAAAAAAB/f38ACgAAAB8AAABUAAAAu+DjBf///wEAAAAAAAAAAAAAAAAAAAAAAAAAAAAAAAAAAAAAAAAAAAAAAAJ/f38AgICAA8zMzADAwP8Af39/AAAAAAAAAAAAAAAAAP///wAAAAAAIQAAABgAAAAUAAAACAEAAD0VAABIDgAACiIAABAAAAAmAAAACAAAAP//////////"/>
+                <pr:smNativeData xmlns:pr="smNativeData" val="SMDATA_15_gcGAXRMAAAAlAAAAEQAAAC8BAAAAkAAAAEgAAACQAAAASAAAAAAAAAAAAAAAAAAAAAEAAABQAAAAAAAAAAAA4D8AAAAAAADgPwAAAAAAAOA/AAAAAAAA4D8AAAAAAADgPwAAAAAAAOA/AAAAAAAA4D8AAAAAAADgPwAAAAAAAOA/AAAAAAAA4D8CAAAAjAAAAAAAAAAAAAAAu+DjDP///wgAAAAAAAAAAAAAAAAAAAAAAAAAAAAAAAAAAAAAZAAAAAEAAABAAAAAAAAAAAAAAAAAAAAAAAAAAAAAAAAAAAAAAAAAAAAAAAAAAAAAAAAAAAAAAAAAAAAAAAAAAAAAAAAAAAAAAAAAAAAAAAAAAAAAAAAAAAAAAAAAAAAAFAAAADwAAAAAAAAAAAAAAAAAAAkUAAAAAQAAABQAAAAUAAAAFAAAAAEAAAAAAAAAZAAAAGQAAAAAAAAAZAAAAGQAAAAVAAAAYAAAAAAAAAAAAAAADwAAACADAAAAAAAAAAAAAAEAAACgMgAAVgcAAKr4//8BAAAAf39/AAEAAABkAAAAAAAAABQAAABAHwAAAAAAACYAAAAAAAAAwOD//wAAAAAmAAAAZAAAABYAAABMAAAAAAAAAAAAAAAEAAAAAAAAAAEAAACAgIAKAAAAACgAAAAoAAAAZAAAAGQAAAAAAAAAzMzMAAAAAABQAAAAUAAAAGQAAABkAAAAAAAAAAcAAAA4AAAAAAAAAAAAAAAAAAAA////AAAAAAAAAAAAAAAAAAAAAAAAAAAAAAAAAAAAAABkAAAAZAAAAAAAAAAjAAAABAAAAGQAAAAXAAAAFAAAAAAAAAAAAAAA/38AAP9/AAAAAAAACQAAAAQAAAAAAAAADAAAABAAAAAAAAAAAAAAAAAAAAAAAAAAHgAAAGgAAAAAAAAAAAAAAAAAAAAAAAAAAAAAABAnAAAQJwAAAAAAAAAAAAAAAAAAAAAAAAAAAAAAAAAAAAAAAAAAAAAUAAAAAAAAAMDA/wAAAAAAZAAAADIAAAAAAAAAZAAAAAAAAAB/f38ACgAAAB8AAABUAAAAu+DjBf///wEAAAAAAAAAAAAAAAAAAAAAAAAAAAAAAAAAAAAAAAAAAAAAAAJ/f38AgICAA8zMzADAwP8Af39/AAAAAAAAAAAAAAAAAP///wAAAAAAIQAAABgAAAAUAAAACAEAAD0VAABIDgAACiIAABAAAAAmAAAACAAAAP//////////"/>
               </a:ext>
             </a:extLst>
           </p:cNvPicPr>
@@ -5318,7 +5318,7 @@
           <p:cNvSpPr>
             <a:extLst>
               <a:ext uri="smNativeData">
-                <pr:smNativeData xmlns:pr="smNativeData" val="SMDATA_13_IrKAXRMAAAAlAAAAZAAAAA8BAAAAkAAAAEgAAACQAAAASAAAAAAAAAABAAAAAAAAAAEAAABQAAAAAAAAAAAA4D8AAAAAAADgPwAAAAAAAOA/AAAAAAAA4D8AAAAAAADgPwAAAAAAAOA/AAAAAAAA4D8AAAAAAADgPwAAAAAAAOA/AAAAAAAA4D8CAAAAjAAAAAAAAAAAAAAAu+DjDP///wgAAAAAAAAAAAAAAAAAAAAAAAAAAAAAAAAAAAAAZAAAAAEAAABAAAAAAAAAAAAAAAAAAAAAAAAAAAAAAAAAAAAAAAAAAAAAAAAAAAAAAAAAAAAAAAAAAAAAAAAAAAAAAAAAAAAAAAAAAAAAAAAAAAAAAAAAAAAAAAAAAAAAFAAAADwAAAAAAAAAAAAAAAAAAAkUAAAAAQAAABQAAAAUAAAAFAAAAAEAAAAAAAAAZAAAAGQAAAAAAAAAZAAAAGQAAAAVAAAAYAAAAAAAAAAAAAAADwAAACADAAAAAAAAAAAAAAEAAACgMgAAVgcAAKr4//8BAAAAf39/AAEAAABkAAAAAAAAABQAAABAHwAAAAAAACYAAAAAAAAAwOD//wAAAAAmAAAAZAAAABYAAABMAAAAAAAAAAAAAAAEAAAAAAAAAAEAAACAgIAKAAAAACgAAAAoAAAAZAAAAGQAAAAAAAAAzMzMAAAAAABQAAAAUAAAAGQAAABkAAAAAAAAABcAAAAUAAAAAAAAAAAAAAD/fwAA/38AAAAAAAAJAAAABAAAAAAAAAAMAAAAEAAAAAAAAAAAAAAAAAAAAAAAAAAeAAAAaAAAAAAAAAAAAAAAAAAAAAAAAAAAAAAAECcAABAnAAAAAAAAAAAAAAAAAAAAAAAAAAAAAAAAAAAAAAAAAAAAABQAAAAAAAAAwMD/AAAAAABkAAAAMgAAAAAAAABkAAAAAAAAAH9/fwAKAAAAHwAAAFQAAAC74OMF////AQAAAAAAAAAAAAAAAAAAAAAAAAAAAAAAAAAAAAAAAAAAAAAAAn9/fwCAgIADzMzMAMDA/wB/f38AAAAAAAAAAAAAAAAAAAAAAAAAAAAhAAAAGAAAABQAAABqBAAAiAMAABY0AAAoBwAAEAAAACYAAAAIAAAA//////////8="/>
+                <pr:smNativeData xmlns:pr="smNativeData" val="SMDATA_13_gcGAXRMAAAAlAAAAZAAAAA8BAAAAkAAAAEgAAACQAAAASAAAAAAAAAABAAAAAAAAAAEAAABQAAAAAAAAAAAA4D8AAAAAAADgPwAAAAAAAOA/AAAAAAAA4D8AAAAAAADgPwAAAAAAAOA/AAAAAAAA4D8AAAAAAADgPwAAAAAAAOA/AAAAAAAA4D8CAAAAjAAAAAAAAAAAAAAAu+DjDP///wgAAAAAAAAAAAAAAAAAAAAAAAAAAAAAAAAAAAAAZAAAAAEAAABAAAAAAAAAAAAAAAAAAAAAAAAAAAAAAAAAAAAAAAAAAAAAAAAAAAAAAAAAAAAAAAAAAAAAAAAAAAAAAAAAAAAAAAAAAAAAAAAAAAAAAAAAAAAAAAAAAAAAFAAAADwAAAAAAAAAAAAAAAAAAAkUAAAAAQAAABQAAAAUAAAAFAAAAAEAAAAAAAAAZAAAAGQAAAAAAAAAZAAAAGQAAAAVAAAAYAAAAAAAAAAAAAAADwAAACADAAAAAAAAAAAAAAEAAACgMgAAVgcAAKr4//8BAAAAf39/AAEAAABkAAAAAAAAABQAAABAHwAAAAAAACYAAAAAAAAAwOD//wAAAAAmAAAAZAAAABYAAABMAAAAAAAAAAAAAAAEAAAAAAAAAAEAAACAgIAKAAAAACgAAAAoAAAAZAAAAGQAAAAAAAAAzMzMAAAAAABQAAAAUAAAAGQAAABkAAAAAAAAABcAAAAUAAAAAAAAAAAAAAD/fwAA/38AAAAAAAAJAAAABAAAAAAAAAAMAAAAEAAAAAAAAAAAAAAAAAAAAAAAAAAeAAAAaAAAAAAAAAAAAAAAAAAAAAAAAAAAAAAAECcAABAnAAAAAAAAAAAAAAAAAAAAAAAAAAAAAAAAAAAAAAAAAAAAABQAAAAAAAAAwMD/AAAAAABkAAAAMgAAAAAAAABkAAAAAAAAAH9/fwAKAAAAHwAAAFQAAAC74OMF////AQAAAAAAAAAAAAAAAAAAAAAAAAAAAAAAAAAAAAAAAAAAAAAAAn9/fwCAgIADzMzMAMDA/wB/f38AAAAAAAAAAAAAAAAAAAAAAAAAAAAhAAAAGAAAABQAAABqBAAAiAMAABY0AAAoBwAAEAAAACYAAAAIAAAA//////////8="/>
               </a:ext>
             </a:extLst>
           </p:cNvSpPr>
@@ -5364,7 +5364,7 @@
           <p:cNvSpPr txBox="1">
             <a:extLst>
               <a:ext uri="smNativeData">
-                <pr:smNativeData xmlns:pr="smNativeData" val="SMDATA_13_IrKAXRMAAAAlAAAAEgAAAE8BAAAAkAAAAEgAAACQAAAASAAAAAAAAAAAAAAAAAAAAAEAAABQAAAAAAAAAAAA4D8AAAAAAADgPwAAAAAAAOA/AAAAAAAA4D8AAAAAAADgPwAAAAAAAOA/AAAAAAAA4D8AAAAAAADgPwAAAAAAAOA/AAAAAAAA4D8CAAAAjAAAAAAAAAAAAAAAu+DjDP///wgAAAAAAAAAAAAAAAAAAAAAAAAAAAAAAAAAAAAAZAAAAAEAAABAAAAAAAAAAAAAAAAAAAAAAAAAAAAAAAAAAAAAAAAAAAAAAAAAAAAAAAAAAAAAAAAAAAAAAAAAAAAAAAAAAAAAAAAAAAAAAAAAAAAAAAAAAAAAAAAAAAAAFAAAADwAAAAAAAAAAAAAAAAAAAkUAAAAAQAAABQAAAAUAAAAFAAAAAEAAAAAAAAAZAAAAGQAAAAAAAAAZAAAAGQAAAAVAAAAYAAAAAAAAAAAAAAADwAAACADAAAAAAAAAAAAAAEAAACgMgAAVgcAAKr4//8BAAAAf39/AAEAAABkAAAAAAAAABQAAABAHwAAAAAAACYAAAAAAAAAwOD//wAAAAAmAAAAZAAAABYAAABMAAAAAAAAAAAAAAAEAAAAAAAAAAEAAACAgIAKAAAAACgAAAAoAAAAZAAAAGQAAAAAAAAAzMzMAAAAAABQAAAAUAAAAGQAAABkAAAAAAAAABcAAAAUAAAAAAAAANwIAAD/fwAA/38AAAAAAAAJAAAABAAAAAAAAAAMAAAAEAAAAAAAAAAAAAAAAAAAAAAAAAAeAAAAaAAAAAAAAAAAAAAAAAAAAAAAAAAAAAAAECcAABAnAAAAAAAAAAAAAAAAAAAAAAAAAAAAAAAAAAAAAAAAAAAAABQAAAAAAAAAwMD/AAAAAABkAAAAMgAAAAAAAABkAAAAAAAAAH9/fwAKAAAAHwAAAFQAAAC74OMF////AQAAAAAAAAAAAAAAAAAAAAAAAAAAAAAAAAAAAAAAAAAAAAAAAn9/fwCAgIADzMzMAMDA/wB/f38AAAAAAAAAAAAAAAAAAAAAAAAAAAAhAAAAGAAAABQAAABqBAAA4QgAABY0AADRDAAAECAAACYAAAAIAAAA//////////8="/>
+                <pr:smNativeData xmlns:pr="smNativeData" val="SMDATA_13_gcGAXRMAAAAlAAAAEgAAAE8BAAAAkAAAAEgAAACQAAAASAAAAAAAAAAAAAAAAAAAAAEAAABQAAAAAAAAAAAA4D8AAAAAAADgPwAAAAAAAOA/AAAAAAAA4D8AAAAAAADgPwAAAAAAAOA/AAAAAAAA4D8AAAAAAADgPwAAAAAAAOA/AAAAAAAA4D8CAAAAjAAAAAAAAAAAAAAAu+DjDP///wgAAAAAAAAAAAAAAAAAAAAAAAAAAAAAAAAAAAAAZAAAAAEAAABAAAAAAAAAAAAAAAAAAAAAAAAAAAAAAAAAAAAAAAAAAAAAAAAAAAAAAAAAAAAAAAAAAAAAAAAAAAAAAAAAAAAAAAAAAAAAAAAAAAAAAAAAAAAAAAAAAAAAFAAAADwAAAAAAAAAAAAAAAAAAAkUAAAAAQAAABQAAAAUAAAAFAAAAAEAAAAAAAAAZAAAAGQAAAAAAAAAZAAAAGQAAAAVAAAAYAAAAAAAAAAAAAAADwAAACADAAAAAAAAAAAAAAEAAACgMgAAVgcAAKr4//8BAAAAf39/AAEAAABkAAAAAAAAABQAAABAHwAAAAAAACYAAAAAAAAAwOD//wAAAAAmAAAAZAAAABYAAABMAAAAAAAAAAAAAAAEAAAAAAAAAAEAAACAgIAKAAAAACgAAAAoAAAAZAAAAGQAAAAAAAAAzMzMAAAAAABQAAAAUAAAAGQAAABkAAAAAAAAABcAAAAUAAAAAAAAANwIAAD/fwAA/38AAAAAAAAJAAAABAAAAAAAAAAMAAAAEAAAAAAAAAAAAAAAAAAAAAAAAAAeAAAAaAAAAAAAAAAAAAAAAAAAAAAAAAAAAAAAECcAABAnAAAAAAAAAAAAAAAAAAAAAAAAAAAAAAAAAAAAAAAAAAAAABQAAAAAAAAAwMD/AAAAAABkAAAAMgAAAAAAAABkAAAAAAAAAH9/fwAKAAAAHwAAAFQAAAC74OMF////AQAAAAAAAAAAAAAAAAAAAAAAAAAAAAAAAAAAAAAAAAAAAAAAAn9/fwCAgIADzMzMAMDA/wB/f38AAAAAAAAAAAAAAAAAAAAAAAAAAAAhAAAAGAAAABQAAABqBAAA4QgAABY0AADRDAAAECAAACYAAAAIAAAA//////////8="/>
               </a:ext>
             </a:extLst>
           </p:cNvSpPr>
@@ -5431,7 +5431,7 @@
           <p:cNvSpPr txBox="1">
             <a:extLst>
               <a:ext uri="smNativeData">
-                <pr:smNativeData xmlns:pr="smNativeData" val="SMDATA_13_IrKAXRMAAAAlAAAAEgAAAE8BAAAAkAAAAEgAAACQAAAASAAAAAAAAAAAAAAAAAAAAAEAAABQAAAAAAAAAAAA4D8AAAAAAADgPwAAAAAAAOA/AAAAAAAA4D8AAAAAAADgPwAAAAAAAOA/AAAAAAAA4D8AAAAAAADgPwAAAAAAAOA/AAAAAAAA4D8CAAAAjAAAAAAAAAAAAAAAu+DjDP///wgAAAAAAAAAAAAAAAAAAAAAAAAAAAAAAAAAAAAAZAAAAAEAAABAAAAAAAAAAAAAAAAAAAAAAAAAAAAAAAAAAAAAAAAAAAAAAAAAAAAAAAAAAAAAAAAAAAAAAAAAAAAAAAAAAAAAAAAAAAAAAAAAAAAAAAAAAAAAAAAAAAAAFAAAADwAAAAAAAAAAAAAAAAAAAkUAAAAAQAAABQAAAAUAAAAFAAAAAEAAAAAAAAAZAAAAGQAAAAAAAAAZAAAAGQAAAAVAAAAYAAAAAAAAAAAAAAADwAAACADAAAAAAAAAAAAAAEAAACgMgAAVgcAAKr4//8BAAAAf39/AAEAAABkAAAAAAAAABQAAABAHwAAAAAAACYAAAAAAAAAwOD//wAAAAAmAAAAZAAAABYAAABMAAAAAAAAAAAAAAAEAAAAAAAAAAEAAACAgIAKAAAAACgAAAAoAAAAZAAAAGQAAAAAAAAAzMzMAAAAAABQAAAAUAAAAGQAAABkAAAAAAAAABcAAAAUAAAAAAAAANwIAAD/fwAA/38AAAAAAAAJAAAABAAAAGxyIHYMAAAAEAAAAAAAAAAAAAAAAAAAAAAAAAAeAAAAaAAAAAAAAAAAAAAAAAAAAAAAAAAAAAAAECcAABAnAAAAAAAAAAAAAAAAAAAAAAAAAAAAAAAAAAAAAAAAAAAAABQAAAAAAAAAwMD/AAAAAABkAAAAMgAAAAAAAABkAAAAAAAAAH9/fwAKAAAAHwAAAFQAAAC74OMF////AQAAAAAAAAAAAAAAAAAAAAAAAAAAAAAAAAAAAAAAAAAAAAAAAn9/fwCAgIADzMzMAMDA/wB/f38AAAAAAAAAAAAAAAAAAAAAAAAAAAAhAAAAGAAAABQAAABqBAAAIw8AABY0AADDFAAAECAAACYAAAAIAAAA//////////8="/>
+                <pr:smNativeData xmlns:pr="smNativeData" val="SMDATA_13_gcGAXRMAAAAlAAAAEgAAAE8BAAAAkAAAAEgAAACQAAAASAAAAAAAAAAAAAAAAAAAAAEAAABQAAAAAAAAAAAA4D8AAAAAAADgPwAAAAAAAOA/AAAAAAAA4D8AAAAAAADgPwAAAAAAAOA/AAAAAAAA4D8AAAAAAADgPwAAAAAAAOA/AAAAAAAA4D8CAAAAjAAAAAAAAAAAAAAAu+DjDP///wgAAAAAAAAAAAAAAAAAAAAAAAAAAAAAAAAAAAAAZAAAAAEAAABAAAAAAAAAAAAAAAAAAAAAAAAAAAAAAAAAAAAAAAAAAAAAAAAAAAAAAAAAAAAAAAAAAAAAAAAAAAAAAAAAAAAAAAAAAAAAAAAAAAAAAAAAAAAAAAAAAAAAFAAAADwAAAAAAAAAAAAAAAAAAAkUAAAAAQAAABQAAAAUAAAAFAAAAAEAAAAAAAAAZAAAAGQAAAAAAAAAZAAAAGQAAAAVAAAAYAAAAAAAAAAAAAAADwAAACADAAAAAAAAAAAAAAEAAACgMgAAVgcAAKr4//8BAAAAf39/AAEAAABkAAAAAAAAABQAAABAHwAAAAAAACYAAAAAAAAAwOD//wAAAAAmAAAAZAAAABYAAABMAAAAAAAAAAAAAAAEAAAAAAAAAAEAAACAgIAKAAAAACgAAAAoAAAAZAAAAGQAAAAAAAAAzMzMAAAAAABQAAAAUAAAAGQAAABkAAAAAAAAABcAAAAUAAAAAAAAANwIAAD/fwAA/38AAAAAAAAJAAAABAAAAGxyIHYMAAAAEAAAAAAAAAAAAAAAAAAAAAAAAAAeAAAAaAAAAAAAAAAAAAAAAAAAAAAAAAAAAAAAECcAABAnAAAAAAAAAAAAAAAAAAAAAAAAAAAAAAAAAAAAAAAAAAAAABQAAAAAAAAAwMD/AAAAAABkAAAAMgAAAAAAAABkAAAAAAAAAH9/fwAKAAAAHwAAAFQAAAC74OMF////AQAAAAAAAAAAAAAAAAAAAAAAAAAAAAAAAAAAAAAAAAAAAAAAAn9/fwCAgIADzMzMAMDA/wB/f38AAAAAAAAAAAAAAAAAAAAAAAAAAAAhAAAAGAAAABQAAABqBAAAIw8AABY0AADDFAAAECAAACYAAAAIAAAA//////////8="/>
               </a:ext>
             </a:extLst>
           </p:cNvSpPr>
@@ -5508,7 +5508,7 @@
             <a:picLocks noChangeAspect="1"/>
             <a:extLst>
               <a:ext uri="smNativeData">
-                <pr:smNativeData xmlns:pr="smNativeData" val="SMDATA_15_IrKAXRMAAAAlAAAAEQAAAC8BAAAAkAAAAEgAAACQAAAASAAAAAAAAAAAAAAAAAAAAAEAAABQAAAAAAAAAAAA4D8AAAAAAADgPwAAAAAAAOA/AAAAAAAA4D8AAAAAAADgPwAAAAAAAOA/AAAAAAAA4D8AAAAAAADgPwAAAAAAAOA/AAAAAAAA4D8CAAAAjAAAAAAAAAAAAAAAu+DjDP///wgAAAAAAAAAAAAAAAAAAAAAAAAAAAAAAAAAAAAAZAAAAAEAAABAAAAAAAAAAAAAAAAAAAAAAAAAAAAAAAAAAAAAAAAAAAAAAAAAAAAAAAAAAAAAAAAAAAAAAAAAAAAAAAAAAAAAAAAAAAAAAAAAAAAAAAAAAAAAAAAAAAAAFAAAADwAAAAAAAAAAAAAAAAAAAkUAAAAAQAAABQAAAAUAAAAFAAAAAEAAAAAAAAAZAAAAGQAAAAAAAAAZAAAAGQAAAAVAAAAYAAAAAAAAAAAAAAADwAAACADAAAAAAAAAAAAAAEAAACgMgAAVgcAAKr4//8BAAAAf39/AAEAAABkAAAAAAAAABQAAABAHwAAAAAAACYAAAAAAAAAwOD//wAAAAAmAAAAZAAAABYAAABMAAAAAAAAAAAAAAAEAAAAAAAAAAEAAACAgIAKAAAAACgAAAAoAAAAZAAAAGQAAAAAAAAAzMzMAAAAAABQAAAAUAAAAGQAAABkAAAAAAAAAAcAAAA4AAAAAAAAAAAAAAAAAAAA////AAAAAAAAAAAAAAAAAAAAAAAAAAAAAAAAAAAAAABkAAAAZAAAAAAAAAAjAAAABAAAAGQAAAAXAAAAFAAAAAAAAAAAAAAA/38AAP9/AAAAAAAACQAAAAQAAAAAAAAADAAAABAAAAAAAAAAAAAAAAAAAAAAAAAAHgAAAGgAAAAAAAAAAAAAAAAAAAAAAAAAAAAAABAnAAAQJwAAAAAAAAAAAAAAAAAAAAAAAAAAAAAAAAAAAAAAAAAAAAAUAAAAAAAAAMDA/wAAAAAAZAAAADIAAAAAAAAAZAAAAAAAAAB/f38ACgAAAB8AAABUAAAAu+DjBf///wEAAAAAAAAAAAAAAAAAAAAAAAAAAAAAAAAAAAAAAAAAAAAAAAJ/f38AgICAA8zMzADAwP8Af39/AAAAAAAAAAAAAAAAAP///wAAAAAAIQAAABgAAAAUAAAA/w4AABIWAAAEKAAA0igAABAAAAAmAAAACAAAAP//////////"/>
+                <pr:smNativeData xmlns:pr="smNativeData" val="SMDATA_15_gcGAXRMAAAAlAAAAEQAAAC8BAAAAkAAAAEgAAACQAAAASAAAAAAAAAAAAAAAAAAAAAEAAABQAAAAAAAAAAAA4D8AAAAAAADgPwAAAAAAAOA/AAAAAAAA4D8AAAAAAADgPwAAAAAAAOA/AAAAAAAA4D8AAAAAAADgPwAAAAAAAOA/AAAAAAAA4D8CAAAAjAAAAAAAAAAAAAAAu+DjDP///wgAAAAAAAAAAAAAAAAAAAAAAAAAAAAAAAAAAAAAZAAAAAEAAABAAAAAAAAAAAAAAAAAAAAAAAAAAAAAAAAAAAAAAAAAAAAAAAAAAAAAAAAAAAAAAAAAAAAAAAAAAAAAAAAAAAAAAAAAAAAAAAAAAAAAAAAAAAAAAAAAAAAAFAAAADwAAAAAAAAAAAAAAAAAAAkUAAAAAQAAABQAAAAUAAAAFAAAAAEAAAAAAAAAZAAAAGQAAAAAAAAAZAAAAGQAAAAVAAAAYAAAAAAAAAAAAAAADwAAACADAAAAAAAAAAAAAAEAAACgMgAAVgcAAKr4//8BAAAAf39/AAEAAABkAAAAAAAAABQAAABAHwAAAAAAACYAAAAAAAAAwOD//wAAAAAmAAAAZAAAABYAAABMAAAAAAAAAAAAAAAEAAAAAAAAAAEAAACAgIAKAAAAACgAAAAoAAAAZAAAAGQAAAAAAAAAzMzMAAAAAABQAAAAUAAAAGQAAABkAAAAAAAAAAcAAAA4AAAAAAAAAAAAAAAAAAAA////AAAAAAAAAAAAAAAAAAAAAAAAAAAAAAAAAAAAAABkAAAAZAAAAAAAAAAjAAAABAAAAGQAAAAXAAAAFAAAAAAAAAAAAAAA/38AAP9/AAAAAAAACQAAAAQAAAAAAAAADAAAABAAAAAAAAAAAAAAAAAAAAAAAAAAHgAAAGgAAAAAAAAAAAAAAAAAAAAAAAAAAAAAABAnAAAQJwAAAAAAAAAAAAAAAAAAAAAAAAAAAAAAAAAAAAAAAAAAAAAUAAAAAAAAAMDA/wAAAAAAZAAAADIAAAAAAAAAZAAAAAAAAAB/f38ACgAAAB8AAABUAAAAu+DjBf///wEAAAAAAAAAAAAAAAAAAAAAAAAAAAAAAAAAAAAAAAAAAAAAAAJ/f38AgICAA8zMzADAwP8Af39/AAAAAAAAAAAAAAAAAP///wAAAAAAIQAAABgAAAAUAAAA/w4AABIWAAAEKAAA0igAABAAAAAmAAAACAAAAP//////////"/>
               </a:ext>
             </a:extLst>
           </p:cNvPicPr>
@@ -5541,7 +5541,7 @@
           <p:cNvSpPr>
             <a:extLst>
               <a:ext uri="smNativeData">
-                <pr:smNativeData xmlns:pr="smNativeData" val="SMDATA_13_IrKAXRMAAAAlAAAAZAAAAA8BAAAAkAAAAEgAAACQAAAASAAAAAAAAAAAAAAAAAAAAAEAAABQAAAAAAAAAAAA4D8AAAAAAADgPwAAAAAAAOA/AAAAAAAA4D8AAAAAAADgPwAAAAAAAOA/AAAAAAAA4D8AAAAAAADgPwAAAAAAAOA/AAAAAAAA4D8CAAAAjAAAAAEAAAAAAAAAHh4eAP///wgAAAAAAAAAAAAAAAAAAAAAAAAAAAAAAAAAAAAAZAAAAAEAAABAAAAAAAAAAAAAAAAAAAAAAAAAAAAAAAAAAAAAAAAAAAAAAAAAAAAAAAAAAAAAAAAAAAAAAAAAAAAAAAAAAAAAAAAAAAAAAAAAAAAAAAAAAAAAAAAAAAAAFAAAADwAAAAAAAAAAAAAAAAAAAkAAAAAAQAAAAAAAAAAAAAAAAAAAAAAAAAAAAAAZAAAAGQAAAAAAAAAZAAAAGQAAAAVAAAAYAAAAAAAAAAAAAAADwAAACADAAAAAAAAAAAAAAEAAACgMgAAAAAAAAAAAAABAAAAf39/AAEAAABkAAAAAAAAABQAAABAHwAAAAAAACYAAAAAAAAAwOD//wAAAAAmAAAAZAAAABYAAABMAAAAAAAAAAAAAAAEAAAAAAAAAAEAAACAgIAKAAAAACgAAAAoAAAAZAAAAGQAAAAAAAAAzMzMAAAAAABQAAAAUAAAAGQAAABkAAAAAAAAABcAAAAUAAAAAAAAAAAAAAD/fwAA/38AAAAAAAAJAAAABAAAADY2Q0MMAAAAEAAAAAAAAAAAAAAAAAAAAAAAAAAeAAAAaAAAAAAAAAAAAAAAAAAAAAAAAAAAAAAAECcAABAnAAAAAAAAAAAAAAAAAAAAAAAAAAAAAAAAAAAAAAAAAAAAABQAAAAAAAAAwMD/AAAAAABkAAAAMgAAAAAAAABkAAAAAAAAAH9/fwAKAAAAHwAAAFQAAAAeHh4A////AQAAAAAAAAAAAAAAAAAAAAAAAAAAAAAAAAAAAAAAAAAAAAAAAn9/fwCAgIADzMzMAMDA/wB/f38AAAAAAAAAAAAAAAAAAAAAAAAAAAAhAAAAGAAAABQAAAAAAAAAZQcAAEA4AAC4CAAAEAAAACYAAAAIAAAA//////////8="/>
+                <pr:smNativeData xmlns:pr="smNativeData" val="SMDATA_13_gcGAXRMAAAAlAAAAZAAAAA8BAAAAkAAAAEgAAACQAAAASAAAAAAAAAAAAAAAAAAAAAEAAABQAAAAAAAAAAAA4D8AAAAAAADgPwAAAAAAAOA/AAAAAAAA4D8AAAAAAADgPwAAAAAAAOA/AAAAAAAA4D8AAAAAAADgPwAAAAAAAOA/AAAAAAAA4D8CAAAAjAAAAAEAAAAAAAAAHh4eAP///wgAAAAAAAAAAAAAAAAAAAAAAAAAAAAAAAAAAAAAZAAAAAEAAABAAAAAAAAAAAAAAAAAAAAAAAAAAAAAAAAAAAAAAAAAAAAAAAAAAAAAAAAAAAAAAAAAAAAAAAAAAAAAAAAAAAAAAAAAAAAAAAAAAAAAAAAAAAAAAAAAAAAAFAAAADwAAAAAAAAAAAAAAAAAAAkAAAAAAQAAAAAAAAAAAAAAAAAAAAAAAAAAAAAAZAAAAGQAAAAAAAAAZAAAAGQAAAAVAAAAYAAAAAAAAAAAAAAADwAAACADAAAAAAAAAAAAAAEAAACgMgAAAAAAAAAAAAABAAAAf39/AAEAAABkAAAAAAAAABQAAABAHwAAAAAAACYAAAAAAAAAwOD//wAAAAAmAAAAZAAAABYAAABMAAAAAAAAAAAAAAAEAAAAAAAAAAEAAACAgIAKAAAAACgAAAAoAAAAZAAAAGQAAAAAAAAAzMzMAAAAAABQAAAAUAAAAGQAAABkAAAAAAAAABcAAAAUAAAAAAAAAAAAAAD/fwAA/38AAAAAAAAJAAAABAAAADY2Q0MMAAAAEAAAAAAAAAAAAAAAAAAAAAAAAAAeAAAAaAAAAAAAAAAAAAAAAAAAAAAAAAAAAAAAECcAABAnAAAAAAAAAAAAAAAAAAAAAAAAAAAAAAAAAAAAAAAAAAAAABQAAAAAAAAAwMD/AAAAAABkAAAAMgAAAAAAAABkAAAAAAAAAH9/fwAKAAAAHwAAAFQAAAAeHh4A////AQAAAAAAAAAAAAAAAAAAAAAAAAAAAAAAAAAAAAAAAAAAAAAAAn9/fwCAgIADzMzMAMDA/wB/f38AAAAAAAAAAAAAAAAAAAAAAAAAAAAhAAAAGAAAABQAAAAAAAAAZQcAAEA4AAC4CAAAEAAAACYAAAAIAAAA//////////8="/>
               </a:ext>
             </a:extLst>
           </p:cNvSpPr>
@@ -5610,7 +5610,7 @@
           <p:cNvSpPr>
             <a:extLst>
               <a:ext uri="smNativeData">
-                <pr:smNativeData xmlns:pr="smNativeData" val="SMDATA_13_IrKAXRMAAAAlAAAACgAAAA8BAAAAkAAAAEgAAACQAAAASAAAAAAAAAAAAAAAAAAAAAEAAABQAAAAAAAAAAAA4D8AAAAAAADgPwAAAAAAAOA/AAAAAAAA4D8AAAAAAADgPwAAAAAAAOA/AAAAAAAA4D8AAAAAAADgPwAAAAAAAOA/AAAAAAAA4D8CAAAAjAAAAAAAAAAAAAAAu+DjDP///wgAAAAAAAAAAAAAAAAAAAAAAAAAAAAAAAAAAAAAZAAAAAEAAABAAAAAAAAAAAAAAAAAAAAAAAAAAAAAAAAAAAAAAAAAAAAAAAAAAAAAAAAAAAAAAAAAAAAAAAAAAAAAAAAAAAAAAAAAAAAAAAAAAAAAAAAAAAAAAAAAAAAAFAAAADwAAAABAAAAAAAAAFVVVQBQAAAAAQAAAAQAAAAAAAAAAAAAAAAAAAAAAAAAZAAAAGQAAAACAAAAZAAAAGQAAAAVAAAAYAAAAAAAAAAAAAAADwAAACADAAAAAAAAAAAAAAEAAACgMgAAAAAAAAAAAAABAAAAf39/AAEAAABkAAAAAAAAABQAAABAHwAAAAAAACYAAAAAAAAAwOD//wAAAAAmAAAAZAAAABYAAABMAAAAAAAAAAAAAAAEAAAAAAAAAAEAAACAgIAKAAAAACgAAAAoAAAAZAAAAGQAAAAAAAAAzMzMAAAAAABQAAAAUAAAAGQAAABkAAAAAAAAABcAAAAUAAAAAAAAAAAAAAD/fwAA/38AAAAAAAAJAAAABAAAAOkDAAAMAAAAEAAAAAAAAAAAAAAAAAAAAAAAAAAeAAAAaAAAAAAAAAAAAAAAAAAAAAAAAAAAAAAAECcAABAnAAAAAAAAAAAAAAAAAAAAAAAAAAAAAAAAAAAAAAAAAAAAABQAAAAAAAAAwMD/AAAAAABkAAAAMgAAAAAAAABkAAAAAAAAAH9/fwAKAAAAHwAAAFQAAAC74OMF////AQAAAAAAAAAAAAAAAAAAAAAAAAAAAAAAAAAAAAAAAAAAVVVVAH9/fwCAgIADzMzMAMDA/wB/f38AAAAAAAAAAAAAAAAAAAAAAAAAAAAhAAAAGAAAABQAAAA3HAAA0g4AADkcAAB6EAAAEAAAACYAAAAIAAAA//////////8="/>
+                <pr:smNativeData xmlns:pr="smNativeData" val="SMDATA_13_gcGAXRMAAAAlAAAACgAAAA8BAAAAkAAAAEgAAACQAAAASAAAAAAAAAAAAAAAAAAAAAEAAABQAAAAAAAAAAAA4D8AAAAAAADgPwAAAAAAAOA/AAAAAAAA4D8AAAAAAADgPwAAAAAAAOA/AAAAAAAA4D8AAAAAAADgPwAAAAAAAOA/AAAAAAAA4D8CAAAAjAAAAAAAAAAAAAAAu+DjDP///wgAAAAAAAAAAAAAAAAAAAAAAAAAAAAAAAAAAAAAZAAAAAEAAABAAAAAAAAAAAAAAAAAAAAAAAAAAAAAAAAAAAAAAAAAAAAAAAAAAAAAAAAAAAAAAAAAAAAAAAAAAAAAAAAAAAAAAAAAAAAAAAAAAAAAAAAAAAAAAAAAAAAAFAAAADwAAAABAAAAAAAAAFVVVQBQAAAAAQAAAAQAAAAAAAAAAAAAAAAAAAAAAAAAZAAAAGQAAAACAAAAZAAAAGQAAAAVAAAAYAAAAAAAAAAAAAAADwAAACADAAAAAAAAAAAAAAEAAACgMgAAAAAAAAAAAAABAAAAf39/AAEAAABkAAAAAAAAABQAAABAHwAAAAAAACYAAAAAAAAAwOD//wAAAAAmAAAAZAAAABYAAABMAAAAAAAAAAAAAAAEAAAAAAAAAAEAAACAgIAKAAAAACgAAAAoAAAAZAAAAGQAAAAAAAAAzMzMAAAAAABQAAAAUAAAAGQAAABkAAAAAAAAABcAAAAUAAAAAAAAAAAAAAD/fwAA/38AAAAAAAAJAAAABAAAAOkDAAAMAAAAEAAAAAAAAAAAAAAAAAAAAAAAAAAeAAAAaAAAAAAAAAAAAAAAAAAAAAAAAAAAAAAAECcAABAnAAAAAAAAAAAAAAAAAAAAAAAAAAAAAAAAAAAAAAAAAAAAABQAAAAAAAAAwMD/AAAAAABkAAAAMgAAAAAAAABkAAAAAAAAAH9/fwAKAAAAHwAAAFQAAAC74OMF////AQAAAAAAAAAAAAAAAAAAAAAAAAAAAAAAAAAAAAAAAAAAVVVVAH9/fwCAgIADzMzMAMDA/wB/f38AAAAAAAAAAAAAAAAAAAAAAAAAAAAhAAAAGAAAABQAAAA3HAAA0g4AADkcAAB6EAAAEAAAACYAAAAIAAAA//////////8="/>
               </a:ext>
             </a:extLst>
           </p:cNvSpPr>
@@ -5642,7 +5642,7 @@
           <p:cNvSpPr>
             <a:extLst>
               <a:ext uri="smNativeData">
-                <pr:smNativeData xmlns:pr="smNativeData" val="SMDATA_13_IrKAXRMAAAAlAAAACgAAAA8BAAAAkAAAAEgAAACQAAAASAAAAAAAAAAAAAAAAAAAAAEAAABQAAAAAAAAAAAA4D8AAAAAAADgPwAAAAAAAOA/AAAAAAAA4D8AAAAAAADgPwAAAAAAAOA/AAAAAAAA4D8AAAAAAADgPwAAAAAAAOA/AAAAAAAA4D8CAAAAjAAAAAAAAAAAAAAAu+DjDP///wgAAAAAAAAAAAAAAAAAAAAAAAAAAAAAAAAAAAAAZAAAAAEAAABAAAAAAAAAAAAAAAAAAAAAAAAAAAAAAAAAAAAAAAAAAAAAAAAAAAAAAAAAAAAAAAAAAAAAAAAAAAAAAAAAAAAAAAAAAAAAAAAAAAAAAAAAAAAAAAAAAAAAFAAAADwAAAABAAAAAAAAAFVVVQBQAAAAAQAAAAQAAAAAAAAAAAAAAAAAAAAAAAAAZAAAAGQAAAACAAAAZAAAAGQAAAAVAAAAYAAAAAAAAAAAAAAADwAAACADAAAAAAAAAAAAAAEAAACgMgAAAAAAAAAAAAABAAAAf39/AAEAAABkAAAAAAAAABQAAABAHwAAAAAAACYAAAAAAAAAwOD//wAAAAAmAAAAZAAAABYAAABMAAAAAAAAAAAAAAAEAAAAAAAAAAEAAACAgIAKAAAAACgAAAAoAAAAZAAAAGQAAAAAAAAAzMzMAAAAAABQAAAAUAAAAGQAAABkAAAAAAAAABcAAAAUAAAAAAAAAAAAAAD/fwAA/38AAAAAAAAJAAAABAAAAON4AAAMAAAAEAAAAAAAAAAAAAAAAAAAAAAAAAAeAAAAaAAAAAAAAAAAAAAAAAAAAAAAAAAAAAAAECcAABAnAAAAAAAAAAAAAAAAAAAAAAAAAAAAAAAAAAAAAAAAAAAAABQAAAAAAAAAwMD/AAAAAABkAAAAMgAAAAAAAABkAAAAAAAAAH9/fwAKAAAAHwAAAFQAAAC74OMF////AQAAAAAAAAAAAAAAAAAAAAAAAAAAAAAAAAAAAAAAAAAAVVVVAH9/fwCAgIADzMzMAMDA/wB/f38AAAAAAAAAAAAAAAAAAAAAAAAAAAAhAAAAGAAAABQAAAD0FgAA9w4AAMAaAAA7EAAAEAAAACYAAAAIAAAA//////////8="/>
+                <pr:smNativeData xmlns:pr="smNativeData" val="SMDATA_13_gcGAXRMAAAAlAAAACgAAAA8BAAAAkAAAAEgAAACQAAAASAAAAAAAAAAAAAAAAAAAAAEAAABQAAAAAAAAAAAA4D8AAAAAAADgPwAAAAAAAOA/AAAAAAAA4D8AAAAAAADgPwAAAAAAAOA/AAAAAAAA4D8AAAAAAADgPwAAAAAAAOA/AAAAAAAA4D8CAAAAjAAAAAAAAAAAAAAAu+DjDP///wgAAAAAAAAAAAAAAAAAAAAAAAAAAAAAAAAAAAAAZAAAAAEAAABAAAAAAAAAAAAAAAAAAAAAAAAAAAAAAAAAAAAAAAAAAAAAAAAAAAAAAAAAAAAAAAAAAAAAAAAAAAAAAAAAAAAAAAAAAAAAAAAAAAAAAAAAAAAAAAAAAAAAFAAAADwAAAABAAAAAAAAAFVVVQBQAAAAAQAAAAQAAAAAAAAAAAAAAAAAAAAAAAAAZAAAAGQAAAACAAAAZAAAAGQAAAAVAAAAYAAAAAAAAAAAAAAADwAAACADAAAAAAAAAAAAAAEAAACgMgAAAAAAAAAAAAABAAAAf39/AAEAAABkAAAAAAAAABQAAABAHwAAAAAAACYAAAAAAAAAwOD//wAAAAAmAAAAZAAAABYAAABMAAAAAAAAAAAAAAAEAAAAAAAAAAEAAACAgIAKAAAAACgAAAAoAAAAZAAAAGQAAAAAAAAAzMzMAAAAAABQAAAAUAAAAGQAAABkAAAAAAAAABcAAAAUAAAAAAAAAAAAAAD/fwAA/38AAAAAAAAJAAAABAAAAON4AAAMAAAAEAAAAAAAAAAAAAAAAAAAAAAAAAAeAAAAaAAAAAAAAAAAAAAAAAAAAAAAAAAAAAAAECcAABAnAAAAAAAAAAAAAAAAAAAAAAAAAAAAAAAAAAAAAAAAAAAAABQAAAAAAAAAwMD/AAAAAABkAAAAMgAAAAAAAABkAAAAAAAAAH9/fwAKAAAAHwAAAFQAAAC74OMF////AQAAAAAAAAAAAAAAAAAAAAAAAAAAAAAAAAAAAAAAAAAAVVVVAH9/fwCAgIADzMzMAMDA/wB/f38AAAAAAAAAAAAAAAAAAAAAAAAAAAAhAAAAGAAAABQAAAD0FgAA9w4AAMAaAAA7EAAAEAAAACYAAAAIAAAA//////////8="/>
               </a:ext>
             </a:extLst>
           </p:cNvSpPr>
@@ -5674,7 +5674,7 @@
           <p:cNvSpPr>
             <a:extLst>
               <a:ext uri="smNativeData">
-                <pr:smNativeData xmlns:pr="smNativeData" val="SMDATA_13_IrKAXRMAAAAlAAAACgAAAA8BAAAAkAAAAEgAAACQAAAASAAAAAAAAAAAAAAAAAAAAAEAAABQAAAAAAAAAAAA4D8AAAAAAADgPwAAAAAAAOA/AAAAAAAA4D8AAAAAAADgPwAAAAAAAOA/AAAAAAAA4D8AAAAAAADgPwAAAAAAAOA/AAAAAAAA4D8CAAAAjAAAAAAAAAAAAAAAu+DjDP///wgAAAAAAAAAAAAAAAAAAAAAAAAAAAAAAAAAAAAAZAAAAAEAAABAAAAAAAAAAAAAAAAAAAAAAAAAAAAAAAAAAAAAAAAAAAAAAAAAAAAAAAAAAAAAAAAAAAAAAAAAAAAAAAAAAAAAAAAAAAAAAAAAAAAAAAAAAAAAAAAAAAAAFAAAADwAAAABAAAAAAAAAFVVVQBQAAAAAQAAAAQAAAAAAAAAAAAAAAAAAAAAAAAAZAAAAGQAAAACAAAAZAAAAGQAAAAVAAAAYAAAAAAAAAAAAAAADwAAACADAAAAAAAAAAAAAAEAAACgMgAAAAAAAAAAAAABAAAAf39/AAEAAABkAAAAAAAAABQAAABAHwAAAAAAACYAAAAAAAAAwOD//wAAAAAmAAAAZAAAABYAAABMAAAAAAAAAAAAAAAEAAAAAAAAAAEAAACAgIAKAAAAACgAAAAoAAAAZAAAAGQAAAAAAAAAzMzMAAAAAABQAAAAUAAAAGQAAABkAAAAAAAAABcAAAAUAAAAAAAAAAAAAAD/fwAA/38AAAAAAAAJAAAABAAAAON4AAAMAAAAEAAAAAAAAAAAAAAAAAAAAAAAAAAeAAAAaAAAAAAAAAAAAAAAAAAAAAAAAAAAAAAAECcAABAnAAAAAAAAAAAAAAAAAAAAAAAAAAAAAAAAAAAAAAAAAAAAABQAAAAAAAAAwMD/AAAAAABkAAAAMgAAAAAAAABkAAAAAAAAAH9/fwAKAAAAHwAAAFQAAAC74OMF////AQAAAAAAAAAAAAAAAAAAAAAAAAAAAAAAAAAAAAAAAAAAVVVVAH9/fwCAgIADzMzMAMDA/wB/f38AAAAAAAAAAAAAAAAAAAAAAAAAAAAhAAAAGAAAABQAAAACDwAA/xEAADAVAAA0FAAAEAAAACYAAAAIAAAA//////////8="/>
+                <pr:smNativeData xmlns:pr="smNativeData" val="SMDATA_13_gcGAXRMAAAAlAAAACgAAAA8BAAAAkAAAAEgAAACQAAAASAAAAAAAAAAAAAAAAAAAAAEAAABQAAAAAAAAAAAA4D8AAAAAAADgPwAAAAAAAOA/AAAAAAAA4D8AAAAAAADgPwAAAAAAAOA/AAAAAAAA4D8AAAAAAADgPwAAAAAAAOA/AAAAAAAA4D8CAAAAjAAAAAAAAAAAAAAAu+DjDP///wgAAAAAAAAAAAAAAAAAAAAAAAAAAAAAAAAAAAAAZAAAAAEAAABAAAAAAAAAAAAAAAAAAAAAAAAAAAAAAAAAAAAAAAAAAAAAAAAAAAAAAAAAAAAAAAAAAAAAAAAAAAAAAAAAAAAAAAAAAAAAAAAAAAAAAAAAAAAAAAAAAAAAFAAAADwAAAABAAAAAAAAAFVVVQBQAAAAAQAAAAQAAAAAAAAAAAAAAAAAAAAAAAAAZAAAAGQAAAACAAAAZAAAAGQAAAAVAAAAYAAAAAAAAAAAAAAADwAAACADAAAAAAAAAAAAAAEAAACgMgAAAAAAAAAAAAABAAAAf39/AAEAAABkAAAAAAAAABQAAABAHwAAAAAAACYAAAAAAAAAwOD//wAAAAAmAAAAZAAAABYAAABMAAAAAAAAAAAAAAAEAAAAAAAAAAEAAACAgIAKAAAAACgAAAAoAAAAZAAAAGQAAAAAAAAAzMzMAAAAAABQAAAAUAAAAGQAAABkAAAAAAAAABcAAAAUAAAAAAAAAAAAAAD/fwAA/38AAAAAAAAJAAAABAAAAON4AAAMAAAAEAAAAAAAAAAAAAAAAAAAAAAAAAAeAAAAaAAAAAAAAAAAAAAAAAAAAAAAAAAAAAAAECcAABAnAAAAAAAAAAAAAAAAAAAAAAAAAAAAAAAAAAAAAAAAAAAAABQAAAAAAAAAwMD/AAAAAABkAAAAMgAAAAAAAABkAAAAAAAAAH9/fwAKAAAAHwAAAFQAAAC74OMF////AQAAAAAAAAAAAAAAAAAAAAAAAAAAAAAAAAAAAAAAAAAAVVVVAH9/fwCAgIADzMzMAMDA/wB/f38AAAAAAAAAAAAAAAAAAAAAAAAAAAAhAAAAGAAAABQAAAACDwAA/xEAADAVAAA0FAAAEAAAACYAAAAIAAAA//////////8="/>
               </a:ext>
             </a:extLst>
           </p:cNvSpPr>
@@ -5706,7 +5706,7 @@
           <p:cNvSpPr>
             <a:extLst>
               <a:ext uri="smNativeData">
-                <pr:smNativeData xmlns:pr="smNativeData" val="SMDATA_13_IrKAXRMAAAAlAAAACgAAAA8BAAAAkAAAAEgAAACQAAAASAAAAAAAAAAAAAAAAAAAAAEAAABQAAAAAAAAAAAA4D8AAAAAAADgPwAAAAAAAOA/AAAAAAAA4D8AAAAAAADgPwAAAAAAAOA/AAAAAAAA4D8AAAAAAADgPwAAAAAAAOA/AAAAAAAA4D8CAAAAjAAAAAAAAAAAAAAAu+DjDP///wgAAAAAAAAAAAAAAAAAAAAAAAAAAAAAAAAAAAAAZAAAAAEAAABAAAAAAAAAAAAAAAAAAAAAAAAAAAAAAAAAAAAAAAAAAAAAAAAAAAAAAAAAAAAAAAAAAAAAAAAAAAAAAAAAAAAAAAAAAAAAAAAAAAAAAAAAAAAAAAAAAAAAFAAAADwAAAABAAAAAAAAAFVVVQBQAAAAAQAAAAQAAAAAAAAAAAAAAAAAAAAAAAAAZAAAAGQAAAACAAAAZAAAAGQAAAAVAAAAYAAAAAAAAAAAAAAADwAAACADAAAAAAAAAAAAAAEAAACgMgAAAAAAAAAAAAABAAAAf39/AAEAAABkAAAAAAAAABQAAABAHwAAAAAAACYAAAAAAAAAwOD//wAAAAAmAAAAZAAAABYAAABMAAAAAAAAAAAAAAAEAAAAAAAAAAEAAACAgIAKAAAAACgAAAAoAAAAZAAAAGQAAAAAAAAAzMzMAAAAAABQAAAAUAAAAGQAAABkAAAAAAAAABcAAAAUAAAAAAAAAAAAAAD/fwAA/38AAAAAAAAJAAAABAAAAON4AAAMAAAAEAAAAAAAAAAAAAAAAAAAAAAAAAAeAAAAaAAAAAAAAAAAAAAAAAAAAAAAAAAAAAAAECcAABAnAAAAAAAAAAAAAAAAAAAAAAAAAAAAAAAAAAAAAAAAAAAAABQAAAAAAAAAwMD/AAAAAABkAAAAMgAAAAAAAABkAAAAAAAAAH9/fwAKAAAAHwAAAFQAAAC74OMF////AQAAAAAAAAAAAAAAAAAAAAAAAAAAAAAAAAAAAAAAAAAAVVVVAH9/fwCAgIADzMzMAMDA/wB/f38AAAAAAAAAAAAAAAAAAAAAAAAAAAAhAAAAGAAAABQAAAC9DgAAKiEAAL8OAADQIwAAEAAAACYAAAAIAAAA//////////8="/>
+                <pr:smNativeData xmlns:pr="smNativeData" val="SMDATA_13_gcGAXRMAAAAlAAAACgAAAA8BAAAAkAAAAEgAAACQAAAASAAAAAAAAAAAAAAAAAAAAAEAAABQAAAAAAAAAAAA4D8AAAAAAADgPwAAAAAAAOA/AAAAAAAA4D8AAAAAAADgPwAAAAAAAOA/AAAAAAAA4D8AAAAAAADgPwAAAAAAAOA/AAAAAAAA4D8CAAAAjAAAAAAAAAAAAAAAu+DjDP///wgAAAAAAAAAAAAAAAAAAAAAAAAAAAAAAAAAAAAAZAAAAAEAAABAAAAAAAAAAAAAAAAAAAAAAAAAAAAAAAAAAAAAAAAAAAAAAAAAAAAAAAAAAAAAAAAAAAAAAAAAAAAAAAAAAAAAAAAAAAAAAAAAAAAAAAAAAAAAAAAAAAAAFAAAADwAAAABAAAAAAAAAFVVVQBQAAAAAQAAAAQAAAAAAAAAAAAAAAAAAAAAAAAAZAAAAGQAAAACAAAAZAAAAGQAAAAVAAAAYAAAAAAAAAAAAAAADwAAACADAAAAAAAAAAAAAAEAAACgMgAAAAAAAAAAAAABAAAAf39/AAEAAABkAAAAAAAAABQAAABAHwAAAAAAACYAAAAAAAAAwOD//wAAAAAmAAAAZAAAABYAAABMAAAAAAAAAAAAAAAEAAAAAAAAAAEAAACAgIAKAAAAACgAAAAoAAAAZAAAAGQAAAAAAAAAzMzMAAAAAABQAAAAUAAAAGQAAABkAAAAAAAAABcAAAAUAAAAAAAAAAAAAAD/fwAA/38AAAAAAAAJAAAABAAAAON4AAAMAAAAEAAAAAAAAAAAAAAAAAAAAAAAAAAeAAAAaAAAAAAAAAAAAAAAAAAAAAAAAAAAAAAAECcAABAnAAAAAAAAAAAAAAAAAAAAAAAAAAAAAAAAAAAAAAAAAAAAABQAAAAAAAAAwMD/AAAAAABkAAAAMgAAAAAAAABkAAAAAAAAAH9/fwAKAAAAHwAAAFQAAAC74OMF////AQAAAAAAAAAAAAAAAAAAAAAAAAAAAAAAAAAAAAAAAAAAVVVVAH9/fwCAgIADzMzMAMDA/wB/f38AAAAAAAAAAAAAAAAAAAAAAAAAAAAhAAAAGAAAABQAAAC9DgAAKiEAAL8OAADQIwAAEAAAACYAAAAIAAAA//////////8="/>
               </a:ext>
             </a:extLst>
           </p:cNvSpPr>
@@ -5738,7 +5738,7 @@
           <p:cNvSpPr>
             <a:extLst>
               <a:ext uri="smNativeData">
-                <pr:smNativeData xmlns:pr="smNativeData" val="SMDATA_13_IrKAXRMAAAAlAAAACgAAAA8BAAAAkAAAAEgAAACQAAAASAAAAAAAAAAAAAAAAAAAAAEAAABQAAAAAAAAAAAA4D8AAAAAAADgPwAAAAAAAOA/AAAAAAAA4D8AAAAAAADgPwAAAAAAAOA/AAAAAAAA4D8AAAAAAADgPwAAAAAAAOA/AAAAAAAA4D8CAAAAjAAAAAAAAAAAAAAAu+DjDP///wgAAAAAAAAAAAAAAAAAAAAAAAAAAAAAAAAAAAAAZAAAAAEAAABAAAAAAAAAAAAAAAAAAAAAAAAAAAAAAAAAAAAAAAAAAAAAAAAAAAAAAAAAAAAAAAAAAAAAAAAAAAAAAAAAAAAAAAAAAAAAAAAAAAAAAAAAAAAAAAAAAAAAFAAAADwAAAABAAAAAAAAAFVVVQBQAAAAAQAAAAQAAAAAAAAAAAAAAAAAAAAAAAAAZAAAAGQAAAACAAAAZAAAAGQAAAAVAAAAYAAAAAAAAAAAAAAADwAAACADAAAAAAAAAAAAAAEAAACgMgAAAAAAAAAAAAABAAAAf39/AAEAAABkAAAAAAAAABQAAABAHwAAAAAAACYAAAAAAAAAwOD//wAAAAAmAAAAZAAAABYAAABMAAAAAAAAAAAAAAAEAAAAAAAAAAEAAACAgIAKAAAAACgAAAAoAAAAZAAAAGQAAAAAAAAAzMzMAAAAAABQAAAAUAAAAGQAAABkAAAAAAAAABcAAAAUAAAAAAAAAAAAAAD/fwAA/38AAAAAAAAJAAAABAAAAC1yLW4MAAAAEAAAAAAAAAAAAAAAAAAAAAAAAAAeAAAAaAAAAAAAAAAAAAAAAAAAAAAAAAAAAAAAECcAABAnAAAAAAAAAAAAAAAAAAAAAAAAAAAAAAAAAAAAAAAAAAAAABQAAAAAAAAAwMD/AAAAAABkAAAAMgAAAAAAAABkAAAAAAAAAH9/fwAKAAAAHwAAAFQAAAC74OMF////AQAAAAAAAAAAAAAAAAAAAAAAAAAAAAAAAAAAAAAAAAAAVVVVAH9/fwCAgIADzMzMAMDA/wB/f38AAAAAAAAAAAAAAAAAAAAAAAAAAAAhAAAAGAAAABQAAADXDgAAdBkAANkOAAAaHAAAEAAAACYAAAAIAAAA//////////8="/>
+                <pr:smNativeData xmlns:pr="smNativeData" val="SMDATA_13_gcGAXRMAAAAlAAAACgAAAA8BAAAAkAAAAEgAAACQAAAASAAAAAAAAAAAAAAAAAAAAAEAAABQAAAAAAAAAAAA4D8AAAAAAADgPwAAAAAAAOA/AAAAAAAA4D8AAAAAAADgPwAAAAAAAOA/AAAAAAAA4D8AAAAAAADgPwAAAAAAAOA/AAAAAAAA4D8CAAAAjAAAAAAAAAAAAAAAu+DjDP///wgAAAAAAAAAAAAAAAAAAAAAAAAAAAAAAAAAAAAAZAAAAAEAAABAAAAAAAAAAAAAAAAAAAAAAAAAAAAAAAAAAAAAAAAAAAAAAAAAAAAAAAAAAAAAAAAAAAAAAAAAAAAAAAAAAAAAAAAAAAAAAAAAAAAAAAAAAAAAAAAAAAAAFAAAADwAAAABAAAAAAAAAFVVVQBQAAAAAQAAAAQAAAAAAAAAAAAAAAAAAAAAAAAAZAAAAGQAAAACAAAAZAAAAGQAAAAVAAAAYAAAAAAAAAAAAAAADwAAACADAAAAAAAAAAAAAAEAAACgMgAAAAAAAAAAAAABAAAAf39/AAEAAABkAAAAAAAAABQAAABAHwAAAAAAACYAAAAAAAAAwOD//wAAAAAmAAAAZAAAABYAAABMAAAAAAAAAAAAAAAEAAAAAAAAAAEAAACAgIAKAAAAACgAAAAoAAAAZAAAAGQAAAAAAAAAzMzMAAAAAABQAAAAUAAAAGQAAABkAAAAAAAAABcAAAAUAAAAAAAAAAAAAAD/fwAA/38AAAAAAAAJAAAABAAAAC1yLW4MAAAAEAAAAAAAAAAAAAAAAAAAAAAAAAAeAAAAaAAAAAAAAAAAAAAAAAAAAAAAAAAAAAAAECcAABAnAAAAAAAAAAAAAAAAAAAAAAAAAAAAAAAAAAAAAAAAAAAAABQAAAAAAAAAwMD/AAAAAABkAAAAMgAAAAAAAABkAAAAAAAAAH9/fwAKAAAAHwAAAFQAAAC74OMF////AQAAAAAAAAAAAAAAAAAAAAAAAAAAAAAAAAAAAAAAAAAAVVVVAH9/fwCAgIADzMzMAMDA/wB/f38AAAAAAAAAAAAAAAAAAAAAAAAAAAAhAAAAGAAAABQAAADXDgAAdBkAANkOAAAaHAAAEAAAACYAAAAIAAAA//////////8="/>
               </a:ext>
             </a:extLst>
           </p:cNvSpPr>
@@ -5770,7 +5770,7 @@
           <p:cNvSpPr>
             <a:extLst>
               <a:ext uri="smNativeData">
-                <pr:smNativeData xmlns:pr="smNativeData" val="SMDATA_13_IrKAXRMAAAAlAAAACgAAAA8BAAAAkAAAAEgAAACQAAAASAAAAAAAAAAAAAAAAAAAAAEAAABQAAAAAAAAAAAA4D8AAAAAAADgPwAAAAAAAOA/AAAAAAAA4D8AAAAAAADgPwAAAAAAAOA/AAAAAAAA4D8AAAAAAADgPwAAAAAAAOA/AAAAAAAA4D8CAAAAjAAAAAAAAAAAAAAAu+DjDP///wgAAAAAAAAAAAAAAAAAAAAAAAAAAAAAAAAAAAAAZAAAAAEAAABAAAAAAAAAAAAAAAAAAAAAAAAAAAAAAAAAAAAAAAAAAAAAAAAAAAAAAAAAAAAAAAAAAAAAAAAAAAAAAAAAAAAAAAAAAAAAAAAAAAAAAAAAAAAAAAAAAAAAFAAAADwAAAABAAAAAAAAAFVVVQBQAAAAAQAAAAQAAAAAAAAAAAAAAAAAAAAAAAAAZAAAAGQAAAACAAAAZAAAAGQAAAAVAAAAYAAAAAAAAAAAAAAADwAAACADAAAAAAAAAAAAAAEAAACgMgAAAAAAAAAAAAABAAAAf39/AAEAAABkAAAAAAAAABQAAABAHwAAAAAAACYAAAAAAAAAwOD//wAAAAAmAAAAZAAAABYAAABMAAAAAAAAAAAAAAAEAAAAAAAAAAEAAACAgIAKAAAAACgAAAAoAAAAZAAAAGQAAAAAAAAAzMzMAAAAAABQAAAAUAAAAGQAAABkAAAAAAAAABcAAAAUAAAAAAAAAAAAAAD/fwAA/38AAAAAAAAJAAAABAAAAAAAAAAMAAAAEAAAAAAAAAAAAAAAAAAAAAAAAAAeAAAAaAAAAAAAAAAAAAAAAAAAAAAAAAAAAAAAECcAABAnAAAAAAAAAAAAAAAAAAAAAAAAAAAAAAAAAAAAAAAAAAAAABQAAAAAAAAAwMD/AAAAAABkAAAAMgAAAAAAAABkAAAAAAAAAH9/fwAKAAAAHwAAAFQAAAC74OMF////AQAAAAAAAAAAAAAAAAAAAAAAAAAAAAAAAAAAAAAAAAAAVVVVAH9/fwCAgIADzMzMAMDA/wB/f38AAAAAAAAAAAAAAAAAAAAAAAAAAAAhAAAAGAAAABQAAAA3HAAAjBkAADkcAAAyHAAAEAAAACYAAAAIAAAA//////////8="/>
+                <pr:smNativeData xmlns:pr="smNativeData" val="SMDATA_13_gcGAXRMAAAAlAAAACgAAAA8BAAAAkAAAAEgAAACQAAAASAAAAAAAAAAAAAAAAAAAAAEAAABQAAAAAAAAAAAA4D8AAAAAAADgPwAAAAAAAOA/AAAAAAAA4D8AAAAAAADgPwAAAAAAAOA/AAAAAAAA4D8AAAAAAADgPwAAAAAAAOA/AAAAAAAA4D8CAAAAjAAAAAAAAAAAAAAAu+DjDP///wgAAAAAAAAAAAAAAAAAAAAAAAAAAAAAAAAAAAAAZAAAAAEAAABAAAAAAAAAAAAAAAAAAAAAAAAAAAAAAAAAAAAAAAAAAAAAAAAAAAAAAAAAAAAAAAAAAAAAAAAAAAAAAAAAAAAAAAAAAAAAAAAAAAAAAAAAAAAAAAAAAAAAFAAAADwAAAABAAAAAAAAAFVVVQBQAAAAAQAAAAQAAAAAAAAAAAAAAAAAAAAAAAAAZAAAAGQAAAACAAAAZAAAAGQAAAAVAAAAYAAAAAAAAAAAAAAADwAAACADAAAAAAAAAAAAAAEAAACgMgAAAAAAAAAAAAABAAAAf39/AAEAAABkAAAAAAAAABQAAABAHwAAAAAAACYAAAAAAAAAwOD//wAAAAAmAAAAZAAAABYAAABMAAAAAAAAAAAAAAAEAAAAAAAAAAEAAACAgIAKAAAAACgAAAAoAAAAZAAAAGQAAAAAAAAAzMzMAAAAAABQAAAAUAAAAGQAAABkAAAAAAAAABcAAAAUAAAAAAAAAAAAAAD/fwAA/38AAAAAAAAJAAAABAAAAAAAAAAMAAAAEAAAAAAAAAAAAAAAAAAAAAAAAAAeAAAAaAAAAAAAAAAAAAAAAAAAAAAAAAAAAAAAECcAABAnAAAAAAAAAAAAAAAAAAAAAAAAAAAAAAAAAAAAAAAAAAAAABQAAAAAAAAAwMD/AAAAAABkAAAAMgAAAAAAAABkAAAAAAAAAH9/fwAKAAAAHwAAAFQAAAC74OMF////AQAAAAAAAAAAAAAAAAAAAAAAAAAAAAAAAAAAAAAAAAAAVVVVAH9/fwCAgIADzMzMAMDA/wB/f38AAAAAAAAAAAAAAAAAAAAAAAAAAAAhAAAAGAAAABQAAAA3HAAAjBkAADkcAAAyHAAAEAAAACYAAAAIAAAA//////////8="/>
               </a:ext>
             </a:extLst>
           </p:cNvSpPr>
@@ -5802,7 +5802,7 @@
           <p:cNvSpPr>
             <a:extLst>
               <a:ext uri="smNativeData">
-                <pr:smNativeData xmlns:pr="smNativeData" val="SMDATA_13_IrKAXRMAAAAlAAAACgAAAA8BAAAAkAAAAEgAAACQAAAASAAAAAAAAAAAAAAAAAAAAAEAAABQAAAAAAAAAAAA4D8AAAAAAADgPwAAAAAAAOA/AAAAAAAA4D8AAAAAAADgPwAAAAAAAOA/AAAAAAAA4D8AAAAAAADgPwAAAAAAAOA/AAAAAAAA4D8CAAAAjAAAAAAAAAAAAAAAu+DjDP///wgAAAAAAAAAAAAAAAAAAAAAAAAAAAAAAAAAAAAAZAAAAAEAAABAAAAAAAAAAAAAAAAAAAAAAAAAAAAAAAAAAAAAAAAAAAAAAAAAAAAAAAAAAAAAAAAAAAAAAAAAAAAAAAAAAAAAAAAAAAAAAAAAAAAAAAAAAAAAAAAAAAAAFAAAADwAAAABAAAAAAAAAFVVVQBQAAAAAQAAAAQAAAAAAAAAAAAAAAAAAAAAAAAAZAAAAGQAAAACAAAAZAAAAGQAAAAVAAAAYAAAAAAAAAAAAAAADwAAACADAAAAAAAAAAAAAAEAAACgMgAAAAAAAAAAAAABAAAAf39/AAEAAABkAAAAAAAAABQAAABAHwAAAAAAACYAAAAAAAAAwOD//wAAAAAmAAAAZAAAABYAAABMAAAAAAAAAAAAAAAEAAAAAAAAAAEAAACAgIAKAAAAACgAAAAoAAAAZAAAAGQAAAAAAAAAzMzMAAAAAABQAAAAUAAAAGQAAABkAAAAAAAAABcAAAAUAAAAAAAAAAAAAAD/fwAA/38AAAAAAAAJAAAABAAAAAAAAAAMAAAAEAAAAAAAAAAAAAAAAAAAAAAAAAAeAAAAaAAAAAAAAAAAAAAAAAAAAAAAAAAAAAAAECcAABAnAAAAAAAAAAAAAAAAAAAAAAAAAAAAAAAAAAAAAAAAAAAAABQAAAAAAAAAwMD/AAAAAABkAAAAMgAAAAAAAABkAAAAAAAAAH9/fwAKAAAAHwAAAFQAAAC74OMF////AQAAAAAAAAAAAAAAAAAAAAAAAAAAAAAAAAAAAAAAAAAAVVVVAH9/fwCAgIADzMzMAMDA/wB/f38AAAAAAAAAAAAAAAAAAAAAAAAAAAAhAAAAGAAAABQAAAAfHAAAcBIAACEcAAAYFAAAEAAAACYAAAAIAAAA//////////8="/>
+                <pr:smNativeData xmlns:pr="smNativeData" val="SMDATA_13_gcGAXRMAAAAlAAAACgAAAA8BAAAAkAAAAEgAAACQAAAASAAAAAAAAAAAAAAAAAAAAAEAAABQAAAAAAAAAAAA4D8AAAAAAADgPwAAAAAAAOA/AAAAAAAA4D8AAAAAAADgPwAAAAAAAOA/AAAAAAAA4D8AAAAAAADgPwAAAAAAAOA/AAAAAAAA4D8CAAAAjAAAAAAAAAAAAAAAu+DjDP///wgAAAAAAAAAAAAAAAAAAAAAAAAAAAAAAAAAAAAAZAAAAAEAAABAAAAAAAAAAAAAAAAAAAAAAAAAAAAAAAAAAAAAAAAAAAAAAAAAAAAAAAAAAAAAAAAAAAAAAAAAAAAAAAAAAAAAAAAAAAAAAAAAAAAAAAAAAAAAAAAAAAAAFAAAADwAAAABAAAAAAAAAFVVVQBQAAAAAQAAAAQAAAAAAAAAAAAAAAAAAAAAAAAAZAAAAGQAAAACAAAAZAAAAGQAAAAVAAAAYAAAAAAAAAAAAAAADwAAACADAAAAAAAAAAAAAAEAAACgMgAAAAAAAAAAAAABAAAAf39/AAEAAABkAAAAAAAAABQAAABAHwAAAAAAACYAAAAAAAAAwOD//wAAAAAmAAAAZAAAABYAAABMAAAAAAAAAAAAAAAEAAAAAAAAAAEAAACAgIAKAAAAACgAAAAoAAAAZAAAAGQAAAAAAAAAzMzMAAAAAABQAAAAUAAAAGQAAABkAAAAAAAAABcAAAAUAAAAAAAAAAAAAAD/fwAA/38AAAAAAAAJAAAABAAAAAAAAAAMAAAAEAAAAAAAAAAAAAAAAAAAAAAAAAAeAAAAaAAAAAAAAAAAAAAAAAAAAAAAAAAAAAAAECcAABAnAAAAAAAAAAAAAAAAAAAAAAAAAAAAAAAAAAAAAAAAAAAAABQAAAAAAAAAwMD/AAAAAABkAAAAMgAAAAAAAABkAAAAAAAAAH9/fwAKAAAAHwAAAFQAAAC74OMF////AQAAAAAAAAAAAAAAAAAAAAAAAAAAAAAAAAAAAAAAAAAAVVVVAH9/fwCAgIADzMzMAMDA/wB/f38AAAAAAAAAAAAAAAAAAAAAAAAAAAAhAAAAGAAAABQAAAAfHAAAcBIAACEcAAAYFAAAEAAAACYAAAAIAAAA//////////8="/>
               </a:ext>
             </a:extLst>
           </p:cNvSpPr>
@@ -5834,7 +5834,7 @@
           <p:cNvSpPr>
             <a:extLst>
               <a:ext uri="smNativeData">
-                <pr:smNativeData xmlns:pr="smNativeData" val="SMDATA_13_IrKAXRMAAAAlAAAAZAAAAA8BAAAAkAAAAEgAAACQAAAASAAAAAAAAAABAAAAAAAAAAEAAABQAAAAAAAAAAAA4D8AAAAAAADgPwAAAAAAAOA/AAAAAAAA4D8AAAAAAADgPwAAAAAAAOA/AAAAAAAA4D8AAAAAAADgPwAAAAAAAOA/AAAAAAAA4D8CAAAAjAAAAAAAAAAAAAAAu+DjDP///wgAAAAAAAAAAAAAAAAAAAAAAAAAAAAAAAAAAAAAZAAAAAEAAABAAAAAAAAAAAAAAAAAAAAAAAAAAAAAAAAAAAAAAAAAAAAAAAAAAAAAAAAAAAAAAAAAAAAAAAAAAAAAAAAAAAAAAAAAAAAAAAAAAAAAAAAAAAAAAAAAAAAAFAAAADwAAAAAAAAAAAAAAAAAAAkUAAAAAQAAABQAAAAUAAAAFAAAAAEAAAAAAAAAZAAAAGQAAAAAAAAAZAAAAGQAAAAVAAAAYAAAAAAAAAAAAAAADwAAACADAAAAAAAAAAAAAAEAAACgMgAAVgcAAKr4//8BAAAAf39/AAEAAABkAAAAAAAAABQAAABAHwAAAAAAACYAAAAAAAAAwOD//wAAAAAmAAAAZAAAABYAAABMAAAAAAAAAAAAAAAEAAAAAAAAAAEAAACAgIAKAAAAACgAAAAoAAAAZAAAAGQAAAAAAAAAzMzMAAAAAABQAAAAUAAAAGQAAABkAAAAAAAAABcAAAAUAAAAAAAAAAAAAAD/fwAA/38AAAAAAAAJAAAABAAAAHlsZT4MAAAAEAAAAAAAAAAAAAAAAAAAAAAAAAAeAAAAaAAAAAAAAAAAAAAAAAAAAAAAAAAAAAAAECcAABAnAAAAAAAAAAAAAAAAAAAAAAAAAAAAAAAAAAAAAAAAAAAAABQAAAAAAAAAwMD/AAAAAABkAAAAMgAAAAAAAABkAAAAAAAAAH9/fwAKAAAAHwAAAFQAAAC74OMF////AQAAAAAAAAAAAAAAAAAAAAAAAAAAAAAAAAAAAAAAAAAAAAAAAn9/fwCAgIADzMzMAMDA/wB/f38AAAAAAAAAAAAAAAAAAAAAAAAAAAAhAAAAGAAAABQAAABqBAAAiAMAABY0AAAoBwAAEAAAACYAAAAIAAAA//////////8="/>
+                <pr:smNativeData xmlns:pr="smNativeData" val="SMDATA_13_gcGAXRMAAAAlAAAAZAAAAA8BAAAAkAAAAEgAAACQAAAASAAAAAAAAAABAAAAAAAAAAEAAABQAAAAAAAAAAAA4D8AAAAAAADgPwAAAAAAAOA/AAAAAAAA4D8AAAAAAADgPwAAAAAAAOA/AAAAAAAA4D8AAAAAAADgPwAAAAAAAOA/AAAAAAAA4D8CAAAAjAAAAAAAAAAAAAAAu+DjDP///wgAAAAAAAAAAAAAAAAAAAAAAAAAAAAAAAAAAAAAZAAAAAEAAABAAAAAAAAAAAAAAAAAAAAAAAAAAAAAAAAAAAAAAAAAAAAAAAAAAAAAAAAAAAAAAAAAAAAAAAAAAAAAAAAAAAAAAAAAAAAAAAAAAAAAAAAAAAAAAAAAAAAAFAAAADwAAAAAAAAAAAAAAAAAAAkUAAAAAQAAABQAAAAUAAAAFAAAAAEAAAAAAAAAZAAAAGQAAAAAAAAAZAAAAGQAAAAVAAAAYAAAAAAAAAAAAAAADwAAACADAAAAAAAAAAAAAAEAAACgMgAAVgcAAKr4//8BAAAAf39/AAEAAABkAAAAAAAAABQAAABAHwAAAAAAACYAAAAAAAAAwOD//wAAAAAmAAAAZAAAABYAAABMAAAAAAAAAAAAAAAEAAAAAAAAAAEAAACAgIAKAAAAACgAAAAoAAAAZAAAAGQAAAAAAAAAzMzMAAAAAABQAAAAUAAAAGQAAABkAAAAAAAAABcAAAAUAAAAAAAAAAAAAAD/fwAA/38AAAAAAAAJAAAABAAAAHlsZT4MAAAAEAAAAAAAAAAAAAAAAAAAAAAAAAAeAAAAaAAAAAAAAAAAAAAAAAAAAAAAAAAAAAAAECcAABAnAAAAAAAAAAAAAAAAAAAAAAAAAAAAAAAAAAAAAAAAAAAAABQAAAAAAAAAwMD/AAAAAABkAAAAMgAAAAAAAABkAAAAAAAAAH9/fwAKAAAAHwAAAFQAAAC74OMF////AQAAAAAAAAAAAAAAAAAAAAAAAAAAAAAAAAAAAAAAAAAAAAAAAn9/fwCAgIADzMzMAMDA/wB/f38AAAAAAAAAAAAAAAAAAAAAAAAAAAAhAAAAGAAAABQAAABqBAAAiAMAABY0AAAoBwAAEAAAACYAAAAIAAAA//////////8="/>
               </a:ext>
             </a:extLst>
           </p:cNvSpPr>
@@ -5880,7 +5880,7 @@
           <p:cNvSpPr>
             <a:extLst>
               <a:ext uri="smNativeData">
-                <pr:smNativeData xmlns:pr="smNativeData" val="SMDATA_13_IrKAXRMAAAAlAAAAZAAAAA8BAAAAkAAAAEgAAACQAAAASAAAAAAAAAAAAAAAAAAAAAEAAABQAAAAAAAAAAAA4D8AAAAAAADgPwAAAAAAAOA/AAAAAAAA4D8AAAAAAADgPwAAAAAAAOA/AAAAAAAA4D8AAAAAAADgPwAAAAAAAOA/AAAAAAAA4D8CAAAAjAAAAAAAAAAAAAAAu+DjDP///wgAAAAAAAAAAAAAAAAAAAAAAAAAAAAAAAAAAAAAZAAAAAEAAABAAAAAAAAAAAAAAAAAAAAAAAAAAAAAAAAAAAAAAAAAAAAAAAAAAAAAAAAAAAAAAAAAAAAAAAAAAAAAAAAAAAAAAAAAAAAAAAAAAAAAAAAAAAAAAAAAAAAAFAAAADwAAAABAAAAAAAAAB4eHgB4AAAAAQAAAAYAAAAAAAAAAAAAAAAAAAAAAAAAZAAAAGQAAAAAAAAAZAAAAGQAAAAVAAAAYAAAAAAAAAAAAAAADwAAACADAAAAAAAAAAAAAAEAAACgMgAAAAAAAAAAAAABAAAAf39/AAEAAABkAAAAAAAAABQAAABAHwAAAAAAACYAAAAAAAAAwOD//wAAAAAmAAAAZAAAABYAAABMAAAAAAAAAAAAAAAEAAAAAAAAAAEAAACAgIAKAAAAACgAAAAoAAAAZAAAAGQAAAAAAAAAzMzMAAAAAABQAAAAUAAAAGQAAABkAAAAAAAAABcAAAAUAAAAAAAAAAAAAAD/fwAA/38AAAAAAAAJAAAABAAAAAAAAAAMAAAAEAAAAAAAAAAAAAAAAAAAAAAAAAAeAAAAaAAAAAAAAAAAAAAAAAAAAAAAAAAAAAAAECcAABAnAAAAAAAAAAAAAAAAAAAAAAAAAAAAAAAAAAAAAAAAPAAAABQAAAAoAAAAHh4eAAAAAABkAAAAMgAAAAAAAABkAAAAAAAAAH9/fwAKAAAAHwAAAFQAAAC74OMF////AQAAAAAAAAAAAAAAAAAAAAAAAAAAAAAAAAAAAAAAAAAAHh4eAH9/fwCAgIADzMzMAB4eHgB/f38AAAAAAAAAAAAAAAAAAAAAAAAAAAAhAAAAGAAAABQAAADMGQAADQoAAKceAADoDgAAEAAAACYAAAAIAAAA//////////8="/>
+                <pr:smNativeData xmlns:pr="smNativeData" val="SMDATA_13_gcGAXRMAAAAlAAAAZAAAAA8BAAAAkAAAAEgAAACQAAAASAAAAAAAAAAAAAAAAAAAAAEAAABQAAAAAAAAAAAA4D8AAAAAAADgPwAAAAAAAOA/AAAAAAAA4D8AAAAAAADgPwAAAAAAAOA/AAAAAAAA4D8AAAAAAADgPwAAAAAAAOA/AAAAAAAA4D8CAAAAjAAAAAAAAAAAAAAAu+DjDP///wgAAAAAAAAAAAAAAAAAAAAAAAAAAAAAAAAAAAAAZAAAAAEAAABAAAAAAAAAAAAAAAAAAAAAAAAAAAAAAAAAAAAAAAAAAAAAAAAAAAAAAAAAAAAAAAAAAAAAAAAAAAAAAAAAAAAAAAAAAAAAAAAAAAAAAAAAAAAAAAAAAAAAFAAAADwAAAABAAAAAAAAAB4eHgB4AAAAAQAAAAYAAAAAAAAAAAAAAAAAAAAAAAAAZAAAAGQAAAAAAAAAZAAAAGQAAAAVAAAAYAAAAAAAAAAAAAAADwAAACADAAAAAAAAAAAAAAEAAACgMgAAAAAAAAAAAAABAAAAf39/AAEAAABkAAAAAAAAABQAAABAHwAAAAAAACYAAAAAAAAAwOD//wAAAAAmAAAAZAAAABYAAABMAAAAAAAAAAAAAAAEAAAAAAAAAAEAAACAgIAKAAAAACgAAAAoAAAAZAAAAGQAAAAAAAAAzMzMAAAAAABQAAAAUAAAAGQAAABkAAAAAAAAABcAAAAUAAAAAAAAAAAAAAD/fwAA/38AAAAAAAAJAAAABAAAAAAAAAAMAAAAEAAAAAAAAAAAAAAAAAAAAAAAAAAeAAAAaAAAAAAAAAAAAAAAAAAAAAAAAAAAAAAAECcAABAnAAAAAAAAAAAAAAAAAAAAAAAAAAAAAAAAAAAAAAAAPAAAABQAAAAoAAAAHh4eAAAAAABkAAAAMgAAAAAAAABkAAAAAAAAAH9/fwAKAAAAHwAAAFQAAAC74OMF////AQAAAAAAAAAAAAAAAAAAAAAAAAAAAAAAAAAAAAAAAAAAHh4eAH9/fwCAgIADzMzMAB4eHgB/f38AAAAAAAAAAAAAAAAAAAAAAAAAAAAhAAAAGAAAABQAAADMGQAADQoAAKceAADoDgAAEAAAACYAAAAIAAAA//////////8="/>
               </a:ext>
             </a:extLst>
           </p:cNvSpPr>
@@ -5919,7 +5919,7 @@
           <p:cNvSpPr>
             <a:extLst>
               <a:ext uri="smNativeData">
-                <pr:smNativeData xmlns:pr="smNativeData" val="SMDATA_13_IrKAXRMAAAAlAAAAZAAAAA8BAAAAkAAAAEgAAACQAAAASAAAAAAAAAAAAAAAAAAAAAEAAABQAAAAAAAAAAAA4D8AAAAAAADgPwAAAAAAAOA/AAAAAAAA4D8AAAAAAADgPwAAAAAAAOA/AAAAAAAA4D8AAAAAAADgPwAAAAAAAOA/AAAAAAAA4D8CAAAAjAAAAAAAAAAAAAAAu+DjDP///wgAAAAAAAAAAAAAAAAAAAAAAAAAAAAAAAAAAAAAZAAAAAEAAABAAAAAAAAAAAAAAAAAAAAAAAAAAAAAAAAAAAAAAAAAAAAAAAAAAAAAAAAAAAAAAAAAAAAAAAAAAAAAAAAAAAAAAAAAAAAAAAAAAAAAAAAAAAAAAAAAAAAAFAAAADwAAAABAAAAAAAAAB4eHgB4AAAAAQAAAAYAAAAAAAAAAAAAAAAAAAAAAAAAZAAAAGQAAAAAAAAAZAAAAGQAAAAVAAAAYAAAAAAAAAAAAAAADwAAACADAAAAAAAAAAAAAAEAAACgMgAAAAAAAAAAAAABAAAAf39/AAEAAABkAAAAAAAAABQAAABAHwAAAAAAACYAAAAAAAAAwOD//wAAAAAmAAAAZAAAABYAAABMAAAAAAAAAAAAAAAEAAAAAAAAAAEAAACAgIAKAAAAACgAAAAoAAAAZAAAAGQAAAAAAAAAzMzMAAAAAABQAAAAUAAAAGQAAABkAAAAAAAAABcAAAAUAAAAAAAAAAAAAAD/fwAA/38AAAAAAAAJAAAABAAAAAAAAAAMAAAAEAAAAAAAAAAAAAAAAAAAAAAAAAAeAAAAaAAAAAAAAAAAAAAAAAAAAAAAAAAAAAAAECcAABAnAAAAAAAAAAAAAAAAAAAAAAAAAAAAAAAAAAAAAAAAPAAAABQAAAAoAAAAHh4eAAAAAABkAAAAMgAAAAAAAABkAAAAAAAAAH9/fwAKAAAAHwAAAFQAAAC74OMF////AQAAAAAAAAAAAAAAAAAAAAAAAAAAAAAAAAAAAAAAAAAAHh4eAH9/fwCAgIADzMzMAB4eHgB/f38AAAAAAAAAAAAAAAAAAAAAAAAAAAAhAAAAGAAAABQAAADMGQAApRQAAKceAACAGQAAEAAAACYAAAAIAAAA//////////8="/>
+                <pr:smNativeData xmlns:pr="smNativeData" val="SMDATA_13_gcGAXRMAAAAlAAAAZAAAAA8BAAAAkAAAAEgAAACQAAAASAAAAAAAAAAAAAAAAAAAAAEAAABQAAAAAAAAAAAA4D8AAAAAAADgPwAAAAAAAOA/AAAAAAAA4D8AAAAAAADgPwAAAAAAAOA/AAAAAAAA4D8AAAAAAADgPwAAAAAAAOA/AAAAAAAA4D8CAAAAjAAAAAAAAAAAAAAAu+DjDP///wgAAAAAAAAAAAAAAAAAAAAAAAAAAAAAAAAAAAAAZAAAAAEAAABAAAAAAAAAAAAAAAAAAAAAAAAAAAAAAAAAAAAAAAAAAAAAAAAAAAAAAAAAAAAAAAAAAAAAAAAAAAAAAAAAAAAAAAAAAAAAAAAAAAAAAAAAAAAAAAAAAAAAFAAAADwAAAABAAAAAAAAAB4eHgB4AAAAAQAAAAYAAAAAAAAAAAAAAAAAAAAAAAAAZAAAAGQAAAAAAAAAZAAAAGQAAAAVAAAAYAAAAAAAAAAAAAAADwAAACADAAAAAAAAAAAAAAEAAACgMgAAAAAAAAAAAAABAAAAf39/AAEAAABkAAAAAAAAABQAAABAHwAAAAAAACYAAAAAAAAAwOD//wAAAAAmAAAAZAAAABYAAABMAAAAAAAAAAAAAAAEAAAAAAAAAAEAAACAgIAKAAAAACgAAAAoAAAAZAAAAGQAAAAAAAAAzMzMAAAAAABQAAAAUAAAAGQAAABkAAAAAAAAABcAAAAUAAAAAAAAAAAAAAD/fwAA/38AAAAAAAAJAAAABAAAAAAAAAAMAAAAEAAAAAAAAAAAAAAAAAAAAAAAAAAeAAAAaAAAAAAAAAAAAAAAAAAAAAAAAAAAAAAAECcAABAnAAAAAAAAAAAAAAAAAAAAAAAAAAAAAAAAAAAAAAAAPAAAABQAAAAoAAAAHh4eAAAAAABkAAAAMgAAAAAAAABkAAAAAAAAAH9/fwAKAAAAHwAAAFQAAAC74OMF////AQAAAAAAAAAAAAAAAAAAAAAAAAAAAAAAAAAAAAAAAAAAHh4eAH9/fwCAgIADzMzMAB4eHgB/f38AAAAAAAAAAAAAAAAAAAAAAAAAAAAhAAAAGAAAABQAAADMGQAApRQAAKceAACAGQAAEAAAACYAAAAIAAAA//////////8="/>
               </a:ext>
             </a:extLst>
           </p:cNvSpPr>
@@ -5958,7 +5958,7 @@
           <p:cNvSpPr>
             <a:extLst>
               <a:ext uri="smNativeData">
-                <pr:smNativeData xmlns:pr="smNativeData" val="SMDATA_13_IrKAXRMAAAAlAAAAZAAAAA8BAAAAkAAAAEgAAACQAAAASAAAAAAAAAAAAAAAAAAAAAEAAABQAAAAAAAAAAAA4D8AAAAAAADgPwAAAAAAAOA/AAAAAAAA4D8AAAAAAADgPwAAAAAAAOA/AAAAAAAA4D8AAAAAAADgPwAAAAAAAOA/AAAAAAAA4D8CAAAAjAAAAAAAAAAAAAAAu+DjDP///wgAAAAAAAAAAAAAAAAAAAAAAAAAAAAAAAAAAAAAZAAAAAEAAABAAAAAAAAAAAAAAAAAAAAAAAAAAAAAAAAAAAAAAAAAAAAAAAAAAAAAAAAAAAAAAAAAAAAAAAAAAAAAAAAAAAAAAAAAAAAAAAAAAAAAAAAAAAAAAAAAAAAAFAAAADwAAAABAAAAAAAAAB4eHgB4AAAAAQAAAAYAAAAAAAAAAAAAAAAAAAAAAAAAZAAAAGQAAAAAAAAAZAAAAGQAAAAVAAAAYAAAAAAAAAAAAAAADwAAACADAAAAAAAAAAAAAAEAAACgMgAAAAAAAAAAAAABAAAAf39/AAEAAABkAAAAAAAAABQAAABAHwAAAAAAACYAAAAAAAAAwOD//wAAAAAmAAAAZAAAABYAAABMAAAAAAAAAAAAAAAEAAAAAAAAAAEAAACAgIAKAAAAACgAAAAoAAAAZAAAAGQAAAAAAAAAzMzMAAAAAABQAAAAUAAAAGQAAABkAAAAAAAAABcAAAAUAAAAAAAAAAAAAAD/fwAA/38AAAAAAAAJAAAABAAAAAAAAAAMAAAAEAAAAAAAAAAAAAAAAAAAAAAAAAAeAAAAaAAAAAAAAAAAAAAAAAAAAAAAAAAAAAAAECcAABAnAAAAAAAAAAAAAAAAAAAAAAAAAAAAAAAAAAAAAAAAPAAAABQAAAAoAAAAHh4eAAAAAABkAAAAMgAAAAAAAABkAAAAAAAAAH9/fwAKAAAAHwAAAFQAAAC74OMF////AQAAAAAAAAAAAAAAAAAAAAAAAAAAAAAAAAAAAAAAAAAAHh4eAH9/fwCAgIADzMzMAB4eHgB/f38AAAAAAAAAAAAAAAAAAAAAAAAAAAAhAAAAGAAAABQAAADMGQAAZRwAAKceAABAIQAAEAAAACYAAAAIAAAA//////////8="/>
+                <pr:smNativeData xmlns:pr="smNativeData" val="SMDATA_13_gcGAXRMAAAAlAAAAZAAAAA8BAAAAkAAAAEgAAACQAAAASAAAAAAAAAAAAAAAAAAAAAEAAABQAAAAAAAAAAAA4D8AAAAAAADgPwAAAAAAAOA/AAAAAAAA4D8AAAAAAADgPwAAAAAAAOA/AAAAAAAA4D8AAAAAAADgPwAAAAAAAOA/AAAAAAAA4D8CAAAAjAAAAAAAAAAAAAAAu+DjDP///wgAAAAAAAAAAAAAAAAAAAAAAAAAAAAAAAAAAAAAZAAAAAEAAABAAAAAAAAAAAAAAAAAAAAAAAAAAAAAAAAAAAAAAAAAAAAAAAAAAAAAAAAAAAAAAAAAAAAAAAAAAAAAAAAAAAAAAAAAAAAAAAAAAAAAAAAAAAAAAAAAAAAAFAAAADwAAAABAAAAAAAAAB4eHgB4AAAAAQAAAAYAAAAAAAAAAAAAAAAAAAAAAAAAZAAAAGQAAAAAAAAAZAAAAGQAAAAVAAAAYAAAAAAAAAAAAAAADwAAACADAAAAAAAAAAAAAAEAAACgMgAAAAAAAAAAAAABAAAAf39/AAEAAABkAAAAAAAAABQAAABAHwAAAAAAACYAAAAAAAAAwOD//wAAAAAmAAAAZAAAABYAAABMAAAAAAAAAAAAAAAEAAAAAAAAAAEAAACAgIAKAAAAACgAAAAoAAAAZAAAAGQAAAAAAAAAzMzMAAAAAABQAAAAUAAAAGQAAABkAAAAAAAAABcAAAAUAAAAAAAAAAAAAAD/fwAA/38AAAAAAAAJAAAABAAAAAAAAAAMAAAAEAAAAAAAAAAAAAAAAAAAAAAAAAAeAAAAaAAAAAAAAAAAAAAAAAAAAAAAAAAAAAAAECcAABAnAAAAAAAAAAAAAAAAAAAAAAAAAAAAAAAAAAAAAAAAPAAAABQAAAAoAAAAHh4eAAAAAABkAAAAMgAAAAAAAABkAAAAAAAAAH9/fwAKAAAAHwAAAFQAAAC74OMF////AQAAAAAAAAAAAAAAAAAAAAAAAAAAAAAAAAAAAAAAAAAAHh4eAH9/fwCAgIADzMzMAB4eHgB/f38AAAAAAAAAAAAAAAAAAAAAAAAAAAAhAAAAGAAAABQAAADMGQAAZRwAAKceAABAIQAAEAAAACYAAAAIAAAA//////////8="/>
               </a:ext>
             </a:extLst>
           </p:cNvSpPr>
@@ -5997,7 +5997,7 @@
           <p:cNvSpPr>
             <a:extLst>
               <a:ext uri="smNativeData">
-                <pr:smNativeData xmlns:pr="smNativeData" val="SMDATA_13_IrKAXRMAAAAlAAAAZAAAAA8BAAAAkAAAAEgAAACQAAAASAAAAAAAAAAAAAAAAAAAAAEAAABQAAAAAAAAAAAA4D8AAAAAAADgPwAAAAAAAOA/AAAAAAAA4D8AAAAAAADgPwAAAAAAAOA/AAAAAAAA4D8AAAAAAADgPwAAAAAAAOA/AAAAAAAA4D8CAAAAjAAAAAAAAAAAAAAAu+DjDP///wgAAAAAAAAAAAAAAAAAAAAAAAAAAAAAAAAAAAAAZAAAAAEAAABAAAAAAAAAAAAAAAAAAAAAAAAAAAAAAAAAAAAAAAAAAAAAAAAAAAAAAAAAAAAAAAAAAAAAAAAAAAAAAAAAAAAAAAAAAAAAAAAAAAAAAAAAAAAAAAAAAAAAFAAAADwAAAABAAAAAAAAAB4eHgB4AAAAAQAAAAYAAAAAAAAAAAAAAAAAAAAAAAAAZAAAAGQAAAAAAAAAZAAAAGQAAAAVAAAAYAAAAAAAAAAAAAAADwAAACADAAAAAAAAAAAAAAEAAACgMgAAAAAAAAAAAAABAAAAf39/AAEAAABkAAAAAAAAABQAAABAHwAAAAAAACYAAAAAAAAAwOD//wAAAAAmAAAAZAAAABYAAABMAAAAAAAAAAAAAAAEAAAAAAAAAAEAAACAgIAKAAAAACgAAAAoAAAAZAAAAGQAAAAAAAAAzMzMAAAAAABQAAAAUAAAAGQAAABkAAAAAAAAABcAAAAUAAAAAAAAAAAAAAD/fwAA/38AAAAAAAAJAAAABAAAAAAAAAAMAAAAEAAAAAAAAAAAAAAAAAAAAAAAAAAeAAAAaAAAAAAAAAAAAAAAAAAAAAAAAAAAAAAAECcAABAnAAAAAAAAAAAAAAAAAAAAAAAAAAAAAAAAAAAAAAAAPAAAABQAAAAoAAAAHh4eAAAAAABkAAAAMgAAAAAAAABkAAAAAAAAAH9/fwAKAAAAHwAAAFQAAAC74OMF////AQAAAAAAAAAAAAAAAAAAAAAAAAAAAAAAAAAAAAAAAAAAHh4eAH9/fwCAgIADzMzMAB4eHgB/f38AAAAAAAAAAAAAAAAAAAAAAAAAAAAhAAAAGAAAABQAAAA3DAAAGCQAABIRAADzKAAAEAAAACYAAAAIAAAA//////////8="/>
+                <pr:smNativeData xmlns:pr="smNativeData" val="SMDATA_13_gcGAXRMAAAAlAAAAZAAAAA8BAAAAkAAAAEgAAACQAAAASAAAAAAAAAAAAAAAAAAAAAEAAABQAAAAAAAAAAAA4D8AAAAAAADgPwAAAAAAAOA/AAAAAAAA4D8AAAAAAADgPwAAAAAAAOA/AAAAAAAA4D8AAAAAAADgPwAAAAAAAOA/AAAAAAAA4D8CAAAAjAAAAAAAAAAAAAAAu+DjDP///wgAAAAAAAAAAAAAAAAAAAAAAAAAAAAAAAAAAAAAZAAAAAEAAABAAAAAAAAAAAAAAAAAAAAAAAAAAAAAAAAAAAAAAAAAAAAAAAAAAAAAAAAAAAAAAAAAAAAAAAAAAAAAAAAAAAAAAAAAAAAAAAAAAAAAAAAAAAAAAAAAAAAAFAAAADwAAAABAAAAAAAAAB4eHgB4AAAAAQAAAAYAAAAAAAAAAAAAAAAAAAAAAAAAZAAAAGQAAAAAAAAAZAAAAGQAAAAVAAAAYAAAAAAAAAAAAAAADwAAACADAAAAAAAAAAAAAAEAAACgMgAAAAAAAAAAAAABAAAAf39/AAEAAABkAAAAAAAAABQAAABAHwAAAAAAACYAAAAAAAAAwOD//wAAAAAmAAAAZAAAABYAAABMAAAAAAAAAAAAAAAEAAAAAAAAAAEAAACAgIAKAAAAACgAAAAoAAAAZAAAAGQAAAAAAAAAzMzMAAAAAABQAAAAUAAAAGQAAABkAAAAAAAAABcAAAAUAAAAAAAAAAAAAAD/fwAA/38AAAAAAAAJAAAABAAAAAAAAAAMAAAAEAAAAAAAAAAAAAAAAAAAAAAAAAAeAAAAaAAAAAAAAAAAAAAAAAAAAAAAAAAAAAAAECcAABAnAAAAAAAAAAAAAAAAAAAAAAAAAAAAAAAAAAAAAAAAPAAAABQAAAAoAAAAHh4eAAAAAABkAAAAMgAAAAAAAABkAAAAAAAAAH9/fwAKAAAAHwAAAFQAAAC74OMF////AQAAAAAAAAAAAAAAAAAAAAAAAAAAAAAAAAAAAAAAAAAAHh4eAH9/fwCAgIADzMzMAB4eHgB/f38AAAAAAAAAAAAAAAAAAAAAAAAAAAAhAAAAGAAAABQAAAA3DAAAGCQAABIRAADzKAAAEAAAACYAAAAIAAAA//////////8="/>
               </a:ext>
             </a:extLst>
           </p:cNvSpPr>
@@ -6036,7 +6036,7 @@
           <p:cNvSpPr>
             <a:extLst>
               <a:ext uri="smNativeData">
-                <pr:smNativeData xmlns:pr="smNativeData" val="SMDATA_13_IrKAXRMAAAAlAAAAZAAAAA8BAAAAkAAAAEgAAACQAAAASAAAAAAAAAAAAAAAAAAAAAEAAABQAAAAAAAAAAAA4D8AAAAAAADgPwAAAAAAAOA/AAAAAAAA4D8AAAAAAADgPwAAAAAAAOA/AAAAAAAA4D8AAAAAAADgPwAAAAAAAOA/AAAAAAAA4D8CAAAAjAAAAAAAAAAAAAAAu+DjDP///wgAAAAAAAAAAAAAAAAAAAAAAAAAAAAAAAAAAAAAZAAAAAEAAABAAAAAAAAAAAAAAAAAAAAAAAAAAAAAAAAAAAAAAAAAAAAAAAAAAAAAAAAAAAAAAAAAAAAAAAAAAAAAAAAAAAAAAAAAAAAAAAAAAAAAAAAAAAAAAAAAAAAAFAAAADwAAAABAAAAAAAAAB4eHgB4AAAAAQAAAAYAAAAAAAAAAAAAAAAAAAAAAAAAZAAAAGQAAAAAAAAAZAAAAGQAAAAVAAAAYAAAAAAAAAAAAAAADwAAACADAAAAAAAAAAAAAAEAAACgMgAAAAAAAAAAAAABAAAAf39/AAEAAABkAAAAAAAAABQAAABAHwAAAAAAACYAAAAAAAAAwOD//wAAAAAmAAAAZAAAABYAAABMAAAAAAAAAAAAAAAEAAAAAAAAAAEAAACAgIAKAAAAACgAAAAoAAAAZAAAAGQAAAAAAAAAzMzMAAAAAABQAAAAUAAAAGQAAABkAAAAAAAAABcAAAAUAAAAAAAAAAAAAAD/fwAA/38AAAAAAAAJAAAABAAAAAAAAAAMAAAAEAAAAAAAAAAAAAAAAAAAAAAAAAAeAAAAaAAAAAAAAAAAAAAAAAAAAAAAAAAAAAAAECcAABAnAAAAAAAAAAAAAAAAAAAAAAAAAAAAAAAAAAAAAAAAPAAAABQAAAAoAAAAHh4eAAAAAABkAAAAMgAAAAAAAABkAAAAAAAAAH9/fwAKAAAAHwAAAFQAAAC74OMF////AQAAAAAAAAAAAAAAAAAAAAAAAAAAAAAAAAAAAAAAAAAAHh4eAH9/fwCAgIADzMzMAB4eHgB/f38AAAAAAAAAAAAAAAAAAAAAAAAAAAAhAAAAGAAAABQAAABYDAAAZRwAADMRAABAIQAAEAAAACYAAAAIAAAA//////////8="/>
+                <pr:smNativeData xmlns:pr="smNativeData" val="SMDATA_13_gcGAXRMAAAAlAAAAZAAAAA8BAAAAkAAAAEgAAACQAAAASAAAAAAAAAAAAAAAAAAAAAEAAABQAAAAAAAAAAAA4D8AAAAAAADgPwAAAAAAAOA/AAAAAAAA4D8AAAAAAADgPwAAAAAAAOA/AAAAAAAA4D8AAAAAAADgPwAAAAAAAOA/AAAAAAAA4D8CAAAAjAAAAAAAAAAAAAAAu+DjDP///wgAAAAAAAAAAAAAAAAAAAAAAAAAAAAAAAAAAAAAZAAAAAEAAABAAAAAAAAAAAAAAAAAAAAAAAAAAAAAAAAAAAAAAAAAAAAAAAAAAAAAAAAAAAAAAAAAAAAAAAAAAAAAAAAAAAAAAAAAAAAAAAAAAAAAAAAAAAAAAAAAAAAAFAAAADwAAAABAAAAAAAAAB4eHgB4AAAAAQAAAAYAAAAAAAAAAAAAAAAAAAAAAAAAZAAAAGQAAAAAAAAAZAAAAGQAAAAVAAAAYAAAAAAAAAAAAAAADwAAACADAAAAAAAAAAAAAAEAAACgMgAAAAAAAAAAAAABAAAAf39/AAEAAABkAAAAAAAAABQAAABAHwAAAAAAACYAAAAAAAAAwOD//wAAAAAmAAAAZAAAABYAAABMAAAAAAAAAAAAAAAEAAAAAAAAAAEAAACAgIAKAAAAACgAAAAoAAAAZAAAAGQAAAAAAAAAzMzMAAAAAABQAAAAUAAAAGQAAABkAAAAAAAAABcAAAAUAAAAAAAAAAAAAAD/fwAA/38AAAAAAAAJAAAABAAAAAAAAAAMAAAAEAAAAAAAAAAAAAAAAAAAAAAAAAAeAAAAaAAAAAAAAAAAAAAAAAAAAAAAAAAAAAAAECcAABAnAAAAAAAAAAAAAAAAAAAAAAAAAAAAAAAAAAAAAAAAPAAAABQAAAAoAAAAHh4eAAAAAABkAAAAMgAAAAAAAABkAAAAAAAAAH9/fwAKAAAAHwAAAFQAAAC74OMF////AQAAAAAAAAAAAAAAAAAAAAAAAAAAAAAAAAAAAAAAAAAAHh4eAH9/fwCAgIADzMzMAB4eHgB/f38AAAAAAAAAAAAAAAAAAAAAAAAAAAAhAAAAGAAAABQAAABYDAAAZRwAADMRAABAIQAAEAAAACYAAAAIAAAA//////////8="/>
               </a:ext>
             </a:extLst>
           </p:cNvSpPr>
@@ -6075,7 +6075,7 @@
           <p:cNvSpPr>
             <a:extLst>
               <a:ext uri="smNativeData">
-                <pr:smNativeData xmlns:pr="smNativeData" val="SMDATA_13_IrKAXRMAAAAlAAAAZAAAAA8BAAAAkAAAAEgAAACQAAAASAAAAAAAAAAAAAAAAAAAAAEAAABQAAAAAAAAAAAA4D8AAAAAAADgPwAAAAAAAOA/AAAAAAAA4D8AAAAAAADgPwAAAAAAAOA/AAAAAAAA4D8AAAAAAADgPwAAAAAAAOA/AAAAAAAA4D8CAAAAjAAAAAAAAAAAAAAAu+DjDP///wgAAAAAAAAAAAAAAAAAAAAAAAAAAAAAAAAAAAAAZAAAAAEAAABAAAAAAAAAAAAAAAAAAAAAAAAAAAAAAAAAAAAAAAAAAAAAAAAAAAAAAAAAAAAAAAAAAAAAAAAAAAAAAAAAAAAAAAAAAAAAAAAAAAAAAAAAAAAAAAAAAAAAFAAAADwAAAABAAAAAAAAAB4eHgB4AAAAAQAAAAYAAAAAAAAAAAAAAAAAAAAAAAAAZAAAAGQAAAAAAAAAZAAAAGQAAAAVAAAAYAAAAAAAAAAAAAAADwAAACADAAAAAAAAAAAAAAEAAACgMgAAAAAAAAAAAAABAAAAf39/AAEAAABkAAAAAAAAABQAAABAHwAAAAAAACYAAAAAAAAAwOD//wAAAAAmAAAAZAAAABYAAABMAAAAAAAAAAAAAAAEAAAAAAAAAAEAAACAgIAKAAAAACgAAAAoAAAAZAAAAGQAAAAAAAAAzMzMAAAAAABQAAAAUAAAAGQAAABkAAAAAAAAABcAAAAUAAAAAAAAAAAAAAD/fwAA/38AAAAAAAAJAAAABAAAAAIAAAAMAAAAEAAAAAAAAAAAAAAAAAAAAAAAAAAeAAAAaAAAAAAAAAAAAAAAAAAAAAAAAAAAAAAAECcAABAnAAAAAAAAAAAAAAAAAAAAAAAAAAAAAAAAAAAAAAAAPAAAABQAAAAoAAAAHh4eAAAAAABkAAAAMgAAAAAAAABkAAAAAAAAAH9/fwAKAAAAHwAAAFQAAAC74OMF////AQAAAAAAAAAAAAAAAAAAAAAAAAAAAAAAAAAAAAAAAAAAHh4eAH9/fwCAgIADzMzMAB4eHgB/f38AAAAAAAAAAAAAAAAAAAAAAAAAAAAhAAAAGAAAABQAAABcDAAApRQAADcRAACAGQAAEAAAACYAAAAIAAAA//////////8="/>
+                <pr:smNativeData xmlns:pr="smNativeData" val="SMDATA_13_gcGAXRMAAAAlAAAAZAAAAA8BAAAAkAAAAEgAAACQAAAASAAAAAAAAAAAAAAAAAAAAAEAAABQAAAAAAAAAAAA4D8AAAAAAADgPwAAAAAAAOA/AAAAAAAA4D8AAAAAAADgPwAAAAAAAOA/AAAAAAAA4D8AAAAAAADgPwAAAAAAAOA/AAAAAAAA4D8CAAAAjAAAAAAAAAAAAAAAu+DjDP///wgAAAAAAAAAAAAAAAAAAAAAAAAAAAAAAAAAAAAAZAAAAAEAAABAAAAAAAAAAAAAAAAAAAAAAAAAAAAAAAAAAAAAAAAAAAAAAAAAAAAAAAAAAAAAAAAAAAAAAAAAAAAAAAAAAAAAAAAAAAAAAAAAAAAAAAAAAAAAAAAAAAAAFAAAADwAAAABAAAAAAAAAB4eHgB4AAAAAQAAAAYAAAAAAAAAAAAAAAAAAAAAAAAAZAAAAGQAAAAAAAAAZAAAAGQAAAAVAAAAYAAAAAAAAAAAAAAADwAAACADAAAAAAAAAAAAAAEAAACgMgAAAAAAAAAAAAABAAAAf39/AAEAAABkAAAAAAAAABQAAABAHwAAAAAAACYAAAAAAAAAwOD//wAAAAAmAAAAZAAAABYAAABMAAAAAAAAAAAAAAAEAAAAAAAAAAEAAACAgIAKAAAAACgAAAAoAAAAZAAAAGQAAAAAAAAAzMzMAAAAAABQAAAAUAAAAGQAAABkAAAAAAAAABcAAAAUAAAAAAAAAAAAAAD/fwAA/38AAAAAAAAJAAAABAAAAAIAAAAMAAAAEAAAAAAAAAAAAAAAAAAAAAAAAAAeAAAAaAAAAAAAAAAAAAAAAAAAAAAAAAAAAAAAECcAABAnAAAAAAAAAAAAAAAAAAAAAAAAAAAAAAAAAAAAAAAAPAAAABQAAAAoAAAAHh4eAAAAAABkAAAAMgAAAAAAAABkAAAAAAAAAH9/fwAKAAAAHwAAAFQAAAC74OMF////AQAAAAAAAAAAAAAAAAAAAAAAAAAAAAAAAAAAAAAAAAAAHh4eAH9/fwCAgIADzMzMAB4eHgB/f38AAAAAAAAAAAAAAAAAAAAAAAAAAAAhAAAAGAAAABQAAABcDAAApRQAADcRAACAGQAAEAAAACYAAAAIAAAA//////////8="/>
               </a:ext>
             </a:extLst>
           </p:cNvSpPr>
@@ -6114,7 +6114,7 @@
           <p:cNvSpPr>
             <a:extLst>
               <a:ext uri="smNativeData">
-                <pr:smNativeData xmlns:pr="smNativeData" val="SMDATA_13_IrKAXRMAAAAlAAAAZAAAAA8BAAAAkAAAAEgAAACQAAAASAAAAAAAAAAAAAAAAAAAAAEAAABQAAAAAAAAAAAA4D8AAAAAAADgPwAAAAAAAOA/AAAAAAAA4D8AAAAAAADgPwAAAAAAAOA/AAAAAAAA4D8AAAAAAADgPwAAAAAAAOA/AAAAAAAA4D8CAAAAjAAAAAAAAAAAAAAAu+DjDP///wgAAAAAAAAAAAAAAAAAAAAAAAAAAAAAAAAAAAAAZAAAAAEAAABAAAAAAAAAAAAAAAAAAAAAAAAAAAAAAAAAAAAAAAAAAAAAAAAAAAAAAAAAAAAAAAAAAAAAAAAAAAAAAAAAAAAAAAAAAAAAAAAAAAAAAAAAAAAAAAAAAAAAFAAAADwAAAABAAAAAAAAAO9gCgA8AAAAAQAAAAMAAAAAAAAAAAAAAAAAAAAAAAAAZAAAAGQAAAAAAAAAZAAAAGQAAAAVAAAAYAAAAAAAAAAAAAAADwAAACADAAAAAAAAAAAAAAEAAACgMgAAAAAAAAAAAAABAAAAf39/AAEAAABkAAAAAAAAABQAAABAHwAAAAAAACYAAAAAAAAAwOD//wAAAAAmAAAAZAAAABYAAABMAAAAAAAAAAAAAAAEAAAAAAAAAAEAAACAgIAKAAAAACgAAAAoAAAAZAAAAGQAAAAAAAAAzMzMAAAAAABQAAAAUAAAAGQAAABkAAAAAAAAABcAAAAUAAAAAAAAAAAAAAD/fwAA/38AAAAAAAAJAAAABAAAAAIAAAAMAAAAEAAAAAAAAAAAAAAAAAAAAAAAAAAeAAAAaAAAAAAAAAAAAAAAAAAAAAAAAAAAAAAAECcAABAnAAAAAAAAAAAAAAAAAAAAAAAAAAAAAAAAAAAAAAAAPAAAABQAAAAoAAAAHH0cAAAAAABkAAAAMgAAAAAAAABkAAAAAAAAAH9/fwAKAAAAHwAAAFQAAAC74OMF////AQAAAAAAAAAAAAAAAAAAAAAAAAAAAAAAAAAAAAAAAAAA72AKAH9/fwCAgIADzMzMABx9HAB/f38AAAAAAAAAAAAAAAAAAAAAAAAAAAAhAAAAGAAAABQAAAAnCgAAUhMAAGwTAABUIgAAEAAAACYAAAAIAAAA//////////8="/>
+                <pr:smNativeData xmlns:pr="smNativeData" val="SMDATA_13_gcGAXRMAAAAlAAAAZAAAAA8BAAAAkAAAAEgAAACQAAAASAAAAAAAAAAAAAAAAAAAAAEAAABQAAAAAAAAAAAA4D8AAAAAAADgPwAAAAAAAOA/AAAAAAAA4D8AAAAAAADgPwAAAAAAAOA/AAAAAAAA4D8AAAAAAADgPwAAAAAAAOA/AAAAAAAA4D8CAAAAjAAAAAAAAAAAAAAAu+DjDP///wgAAAAAAAAAAAAAAAAAAAAAAAAAAAAAAAAAAAAAZAAAAAEAAABAAAAAAAAAAAAAAAAAAAAAAAAAAAAAAAAAAAAAAAAAAAAAAAAAAAAAAAAAAAAAAAAAAAAAAAAAAAAAAAAAAAAAAAAAAAAAAAAAAAAAAAAAAAAAAAAAAAAAFAAAADwAAAABAAAAAAAAAO9gCgA8AAAAAQAAAAMAAAAAAAAAAAAAAAAAAAAAAAAAZAAAAGQAAAAAAAAAZAAAAGQAAAAVAAAAYAAAAAAAAAAAAAAADwAAACADAAAAAAAAAAAAAAEAAACgMgAAAAAAAAAAAAABAAAAf39/AAEAAABkAAAAAAAAABQAAABAHwAAAAAAACYAAAAAAAAAwOD//wAAAAAmAAAAZAAAABYAAABMAAAAAAAAAAAAAAAEAAAAAAAAAAEAAACAgIAKAAAAACgAAAAoAAAAZAAAAGQAAAAAAAAAzMzMAAAAAABQAAAAUAAAAGQAAABkAAAAAAAAABcAAAAUAAAAAAAAAAAAAAD/fwAA/38AAAAAAAAJAAAABAAAAAIAAAAMAAAAEAAAAAAAAAAAAAAAAAAAAAAAAAAeAAAAaAAAAAAAAAAAAAAAAAAAAAAAAAAAAAAAECcAABAnAAAAAAAAAAAAAAAAAAAAAAAAAAAAAAAAAAAAAAAAPAAAABQAAAAoAAAAHH0cAAAAAABkAAAAMgAAAAAAAABkAAAAAAAAAH9/fwAKAAAAHwAAAFQAAAC74OMF////AQAAAAAAAAAAAAAAAAAAAAAAAAAAAAAAAAAAAAAAAAAA72AKAH9/fwCAgIADzMzMABx9HAB/f38AAAAAAAAAAAAAAAAAAAAAAAAAAAAhAAAAGAAAABQAAAAnCgAAUhMAAGwTAABUIgAAEAAAACYAAAAIAAAA//////////8="/>
               </a:ext>
             </a:extLst>
           </p:cNvSpPr>
@@ -6153,7 +6153,7 @@
           <p:cNvSpPr txBox="1">
             <a:extLst>
               <a:ext uri="smNativeData">
-                <pr:smNativeData xmlns:pr="smNativeData" val="SMDATA_13_IrKAXRMAAAAlAAAAEgAAAE8BAAAAkAAAAEgAAACQAAAASAAAAAAAAAAAAAAAAAAAAAEAAABQAAAAAAAAAAAA4D8AAAAAAADgPwAAAAAAAOA/AAAAAAAA4D8AAAAAAADgPwAAAAAAAOA/AAAAAAAA4D8AAAAAAADgPwAAAAAAAOA/AAAAAAAA4D8CAAAAjAAAAAAAAAAAAAAAu+DjDP///wgAAAAAAAAAAAAAAAAAAAAAAAAAAAAAAAAAAAAAZAAAAAEAAABAAAAAAAAAAAAAAAAAAAAAAAAAAAAAAAAAAAAAAAAAAAAAAAAAAAAAAAAAAAAAAAAAAAAAAAAAAAAAAAAAAAAAAAAAAAAAAAAAAAAAAAAAAAAAAAAAAAAAFAAAADwAAAAAAAAAAAAAAAAAAAkUAAAAAQAAABQAAAAUAAAAFAAAAAEAAAAAAAAAZAAAAGQAAAAAAAAAZAAAAGQAAAAVAAAAYAAAAAAAAAAAAAAADwAAACADAAAAAAAAAAAAAAEAAACgMgAAVgcAAKr4//8BAAAAf39/AAEAAABkAAAAAAAAABQAAABAHwAAAAAAACYAAAAAAAAAwOD//wAAAAAmAAAAZAAAABYAAABMAAAAAAAAAAAAAAAEAAAAAAAAAAEAAACAgIAKAAAAACgAAAAoAAAAZAAAAGQAAAAAAAAAzMzMAAAAAABQAAAAUAAAAGQAAABkAAAAAAAAABcAAAAUAAAAAAAAANwIAAD/fwAA/38AAAAAAAAJAAAABAAAAAIAAAAMAAAAEAAAAAAAAAAAAAAAAAAAAAAAAAAeAAAAaAAAAAAAAAAAAAAAAAAAAAAAAAAAAAAAECcAABAnAAAAAAAAAAAAAAAAAAAAAAAAAAAAAAAAAAAAAAAAAAAAABQAAAAAAAAAwMD/AAAAAABkAAAAMgAAAAAAAABkAAAAAAAAAH9/fwAKAAAAHwAAAFQAAAC74OMF////AQAAAAAAAAAAAAAAAAAAAAAAAAAAAAAAAAAAAAAAAAAAAAAAAn9/fwCAgIADzMzMAMDA/wB/f38AAAAAAAAAAAAAAAAAAAAAAAAAAAAhAAAAGAAAABQAAAADGgAA5woAAHUeAAB3DgAAECAAACYAAAAIAAAA//////////8="/>
+                <pr:smNativeData xmlns:pr="smNativeData" val="SMDATA_13_gcGAXRMAAAAlAAAAEgAAAE8BAAAAkAAAAEgAAACQAAAASAAAAAAAAAAAAAAAAAAAAAEAAABQAAAAAAAAAAAA4D8AAAAAAADgPwAAAAAAAOA/AAAAAAAA4D8AAAAAAADgPwAAAAAAAOA/AAAAAAAA4D8AAAAAAADgPwAAAAAAAOA/AAAAAAAA4D8CAAAAjAAAAAAAAAAAAAAAu+DjDP///wgAAAAAAAAAAAAAAAAAAAAAAAAAAAAAAAAAAAAAZAAAAAEAAABAAAAAAAAAAAAAAAAAAAAAAAAAAAAAAAAAAAAAAAAAAAAAAAAAAAAAAAAAAAAAAAAAAAAAAAAAAAAAAAAAAAAAAAAAAAAAAAAAAAAAAAAAAAAAAAAAAAAAFAAAADwAAAAAAAAAAAAAAAAAAAkUAAAAAQAAABQAAAAUAAAAFAAAAAEAAAAAAAAAZAAAAGQAAAAAAAAAZAAAAGQAAAAVAAAAYAAAAAAAAAAAAAAADwAAACADAAAAAAAAAAAAAAEAAACgMgAAVgcAAKr4//8BAAAAf39/AAEAAABkAAAAAAAAABQAAABAHwAAAAAAACYAAAAAAAAAwOD//wAAAAAmAAAAZAAAABYAAABMAAAAAAAAAAAAAAAEAAAAAAAAAAEAAACAgIAKAAAAACgAAAAoAAAAZAAAAGQAAAAAAAAAzMzMAAAAAABQAAAAUAAAAGQAAABkAAAAAAAAABcAAAAUAAAAAAAAANwIAAD/fwAA/38AAAAAAAAJAAAABAAAAAIAAAAMAAAAEAAAAAAAAAAAAAAAAAAAAAAAAAAeAAAAaAAAAAAAAAAAAAAAAAAAAAAAAAAAAAAAECcAABAnAAAAAAAAAAAAAAAAAAAAAAAAAAAAAAAAAAAAAAAAAAAAABQAAAAAAAAAwMD/AAAAAABkAAAAMgAAAAAAAABkAAAAAAAAAH9/fwAKAAAAHwAAAFQAAAC74OMF////AQAAAAAAAAAAAAAAAAAAAAAAAAAAAAAAAAAAAAAAAAAAAAAAAn9/fwCAgIADzMzMAMDA/wB/f38AAAAAAAAAAAAAAAAAAAAAAAAAAAAhAAAAGAAAABQAAAADGgAA5woAAHUeAAB3DgAAECAAACYAAAAIAAAA//////////8="/>
               </a:ext>
             </a:extLst>
           </p:cNvSpPr>
@@ -6216,7 +6216,7 @@
           <p:cNvSpPr txBox="1">
             <a:extLst>
               <a:ext uri="smNativeData">
-                <pr:smNativeData xmlns:pr="smNativeData" val="SMDATA_13_IrKAXRMAAAAlAAAAEgAAAE8BAAAAkAAAAEgAAACQAAAASAAAAAAAAAAAAAAAAAAAAAEAAABQAAAAAAAAAAAA4D8AAAAAAADgPwAAAAAAAOA/AAAAAAAA4D8AAAAAAADgPwAAAAAAAOA/AAAAAAAA4D8AAAAAAADgPwAAAAAAAOA/AAAAAAAA4D8CAAAAjAAAAAAAAAAAAAAAu+DjDP///wgAAAAAAAAAAAAAAAAAAAAAAAAAAAAAAAAAAAAAZAAAAAEAAABAAAAAAAAAAAAAAAAAAAAAAAAAAAAAAAAAAAAAAAAAAAAAAAAAAAAAAAAAAAAAAAAAAAAAAAAAAAAAAAAAAAAAAAAAAAAAAAAAAAAAAAAAAAAAAAAAAAAAFAAAADwAAAAAAAAAAAAAAAAAAAkUAAAAAQAAABQAAAAUAAAAFAAAAAEAAAAAAAAAZAAAAGQAAAAAAAAAZAAAAGQAAAAVAAAAYAAAAAAAAAAAAAAADwAAACADAAAAAAAAAAAAAAEAAACgMgAAVgcAAKr4//8BAAAAf39/AAEAAABkAAAAAAAAABQAAABAHwAAAAAAACYAAAAAAAAAwOD//wAAAAAmAAAAZAAAABYAAABMAAAAAAAAAAAAAAAEAAAAAAAAAAEAAACAgIAKAAAAACgAAAAoAAAAZAAAAGQAAAAAAAAAzMzMAAAAAABQAAAAUAAAAGQAAABkAAAAAAAAABcAAAAUAAAAAAAAANwIAAD/fwAA/38AAAAAAAAJAAAABAAAAAIAAAAMAAAAEAAAAAAAAAAAAAAAAAAAAAAAAAAeAAAAaAAAAAAAAAAAAAAAAAAAAAAAAAAAAAAAECcAABAnAAAAAAAAAAAAAAAAAAAAAAAAAAAAAAAAAAAAAAAAAAAAABQAAAAAAAAAwMD/AAAAAABkAAAAMgAAAAAAAABkAAAAAAAAAH9/fwAKAAAAHwAAAFQAAAC74OMF////AQAAAAAAAAAAAAAAAAAAAAAAAAAAAAAAAAAAAAAAAAAAAAAAAn9/fwCAgIADzMzMAMDA/wB/f38AAAAAAAAAAAAAAAAAAAAAAAAAAAAhAAAAGAAAABQAAAB6CwAADhUAABkSAADeFwAAECAAACYAAAAIAAAA//////////8="/>
+                <pr:smNativeData xmlns:pr="smNativeData" val="SMDATA_13_gcGAXRMAAAAlAAAAEgAAAE8BAAAAkAAAAEgAAACQAAAASAAAAAAAAAAAAAAAAAAAAAEAAABQAAAAAAAAAAAA4D8AAAAAAADgPwAAAAAAAOA/AAAAAAAA4D8AAAAAAADgPwAAAAAAAOA/AAAAAAAA4D8AAAAAAADgPwAAAAAAAOA/AAAAAAAA4D8CAAAAjAAAAAAAAAAAAAAAu+DjDP///wgAAAAAAAAAAAAAAAAAAAAAAAAAAAAAAAAAAAAAZAAAAAEAAABAAAAAAAAAAAAAAAAAAAAAAAAAAAAAAAAAAAAAAAAAAAAAAAAAAAAAAAAAAAAAAAAAAAAAAAAAAAAAAAAAAAAAAAAAAAAAAAAAAAAAAAAAAAAAAAAAAAAAFAAAADwAAAAAAAAAAAAAAAAAAAkUAAAAAQAAABQAAAAUAAAAFAAAAAEAAAAAAAAAZAAAAGQAAAAAAAAAZAAAAGQAAAAVAAAAYAAAAAAAAAAAAAAADwAAACADAAAAAAAAAAAAAAEAAACgMgAAVgcAAKr4//8BAAAAf39/AAEAAABkAAAAAAAAABQAAABAHwAAAAAAACYAAAAAAAAAwOD//wAAAAAmAAAAZAAAABYAAABMAAAAAAAAAAAAAAAEAAAAAAAAAAEAAACAgIAKAAAAACgAAAAoAAAAZAAAAGQAAAAAAAAAzMzMAAAAAABQAAAAUAAAAGQAAABkAAAAAAAAABcAAAAUAAAAAAAAANwIAAD/fwAA/38AAAAAAAAJAAAABAAAAAIAAAAMAAAAEAAAAAAAAAAAAAAAAAAAAAAAAAAeAAAAaAAAAAAAAAAAAAAAAAAAAAAAAAAAAAAAECcAABAnAAAAAAAAAAAAAAAAAAAAAAAAAAAAAAAAAAAAAAAAAAAAABQAAAAAAAAAwMD/AAAAAABkAAAAMgAAAAAAAABkAAAAAAAAAH9/fwAKAAAAHwAAAFQAAAC74OMF////AQAAAAAAAAAAAAAAAAAAAAAAAAAAAAAAAAAAAAAAAAAAAAAAAn9/fwCAgIADzMzMAMDA/wB/f38AAAAAAAAAAAAAAAAAAAAAAAAAAAAhAAAAGAAAABQAAAB6CwAADhUAABkSAADeFwAAECAAACYAAAAIAAAA//////////8="/>
               </a:ext>
             </a:extLst>
           </p:cNvSpPr>
@@ -6277,7 +6277,7 @@
           <p:cNvSpPr txBox="1">
             <a:extLst>
               <a:ext uri="smNativeData">
-                <pr:smNativeData xmlns:pr="smNativeData" val="SMDATA_13_IrKAXRMAAAAlAAAAEgAAAE8BAAAAkAAAAEgAAACQAAAASAAAAAAAAAAAAAAAAAAAAAEAAABQAAAAAAAAAAAA4D8AAAAAAADgPwAAAAAAAOA/AAAAAAAA4D8AAAAAAADgPwAAAAAAAOA/AAAAAAAA4D8AAAAAAADgPwAAAAAAAOA/AAAAAAAA4D8CAAAAjAAAAAAAAAAAAAAAu+DjDP///wgAAAAAAAAAAAAAAAAAAAAAAAAAAAAAAAAAAAAAZAAAAAEAAABAAAAAAAAAAAAAAAAAAAAAAAAAAAAAAAAAAAAAAAAAAAAAAAAAAAAAAAAAAAAAAAAAAAAAAAAAAAAAAAAAAAAAAAAAAAAAAAAAAAAAAAAAAAAAAAAAAAAAFAAAADwAAAAAAAAAAAAAAAAAAAkUAAAAAQAAABQAAAAUAAAAFAAAAAEAAAAAAAAAZAAAAGQAAAAAAAAAZAAAAGQAAAAVAAAAYAAAAAAAAAAAAAAADwAAACADAAAAAAAAAAAAAAEAAACgMgAAVgcAAKr4//8BAAAAf39/AAEAAABkAAAAAAAAABQAAABAHwAAAAAAACYAAAAAAAAAwOD//wAAAAAmAAAAZAAAABYAAABMAAAAAAAAAAAAAAAEAAAAAAAAAAEAAACAgIAKAAAAACgAAAAoAAAAZAAAAGQAAAAAAAAAzMzMAAAAAABQAAAAUAAAAGQAAABkAAAAAAAAABcAAAAUAAAAAAAAANwIAAD/fwAA/38AAAAAAAAJAAAABAAAAAIAAAAMAAAAEAAAAAAAAAAAAAAAAAAAAAAAAAAeAAAAaAAAAAAAAAAAAAAAAAAAAAAAAAAAAAAAECcAABAnAAAAAAAAAAAAAAAAAAAAAAAAAAAAAAAAAAAAAAAAAAAAABQAAAAAAAAAwMD/AAAAAABkAAAAMgAAAAAAAABkAAAAAAAAAH9/fwAKAAAAHwAAAFQAAAC74OMF////AQAAAAAAAAAAAAAAAAAAAAAAAAAAAAAAAAAAAAAAAAAAAAAAAn9/fwCAgIADzMzMAMDA/wB/f38AAAAAAAAAAAAAAAAAAAAAAAAAAAAhAAAAGAAAABQAAACfCwAACB0AAD4SAADYHwAAECAAACYAAAAIAAAA//////////8="/>
+                <pr:smNativeData xmlns:pr="smNativeData" val="SMDATA_13_gcGAXRMAAAAlAAAAEgAAAE8BAAAAkAAAAEgAAACQAAAASAAAAAAAAAAAAAAAAAAAAAEAAABQAAAAAAAAAAAA4D8AAAAAAADgPwAAAAAAAOA/AAAAAAAA4D8AAAAAAADgPwAAAAAAAOA/AAAAAAAA4D8AAAAAAADgPwAAAAAAAOA/AAAAAAAA4D8CAAAAjAAAAAAAAAAAAAAAu+DjDP///wgAAAAAAAAAAAAAAAAAAAAAAAAAAAAAAAAAAAAAZAAAAAEAAABAAAAAAAAAAAAAAAAAAAAAAAAAAAAAAAAAAAAAAAAAAAAAAAAAAAAAAAAAAAAAAAAAAAAAAAAAAAAAAAAAAAAAAAAAAAAAAAAAAAAAAAAAAAAAAAAAAAAAFAAAADwAAAAAAAAAAAAAAAAAAAkUAAAAAQAAABQAAAAUAAAAFAAAAAEAAAAAAAAAZAAAAGQAAAAAAAAAZAAAAGQAAAAVAAAAYAAAAAAAAAAAAAAADwAAACADAAAAAAAAAAAAAAEAAACgMgAAVgcAAKr4//8BAAAAf39/AAEAAABkAAAAAAAAABQAAABAHwAAAAAAACYAAAAAAAAAwOD//wAAAAAmAAAAZAAAABYAAABMAAAAAAAAAAAAAAAEAAAAAAAAAAEAAACAgIAKAAAAACgAAAAoAAAAZAAAAGQAAAAAAAAAzMzMAAAAAABQAAAAUAAAAGQAAABkAAAAAAAAABcAAAAUAAAAAAAAANwIAAD/fwAA/38AAAAAAAAJAAAABAAAAAIAAAAMAAAAEAAAAAAAAAAAAAAAAAAAAAAAAAAeAAAAaAAAAAAAAAAAAAAAAAAAAAAAAAAAAAAAECcAABAnAAAAAAAAAAAAAAAAAAAAAAAAAAAAAAAAAAAAAAAAAAAAABQAAAAAAAAAwMD/AAAAAABkAAAAMgAAAAAAAABkAAAAAAAAAH9/fwAKAAAAHwAAAFQAAAC74OMF////AQAAAAAAAAAAAAAAAAAAAAAAAAAAAAAAAAAAAAAAAAAAAAAAAn9/fwCAgIADzMzMAMDA/wB/f38AAAAAAAAAAAAAAAAAAAAAAAAAAAAhAAAAGAAAABQAAACfCwAACB0AAD4SAADYHwAAECAAACYAAAAIAAAA//////////8="/>
               </a:ext>
             </a:extLst>
           </p:cNvSpPr>
@@ -6338,7 +6338,7 @@
           <p:cNvSpPr txBox="1">
             <a:extLst>
               <a:ext uri="smNativeData">
-                <pr:smNativeData xmlns:pr="smNativeData" val="SMDATA_13_IrKAXRMAAAAlAAAAEgAAAE8BAAAAkAAAAEgAAACQAAAASAAAAAAAAAAAAAAAAAAAAAEAAABQAAAAAAAAAAAA4D8AAAAAAADgPwAAAAAAAOA/AAAAAAAA4D8AAAAAAADgPwAAAAAAAOA/AAAAAAAA4D8AAAAAAADgPwAAAAAAAOA/AAAAAAAA4D8CAAAAjAAAAAAAAAAAAAAAu+DjDP///wgAAAAAAAAAAAAAAAAAAAAAAAAAAAAAAAAAAAAAZAAAAAEAAABAAAAAAAAAAAAAAAAAAAAAAAAAAAAAAAAAAAAAAAAAAAAAAAAAAAAAAAAAAAAAAAAAAAAAAAAAAAAAAAAAAAAAAAAAAAAAAAAAAAAAAAAAAAAAAAAAAAAAFAAAADwAAAAAAAAAAAAAAAAAAAkUAAAAAQAAABQAAAAUAAAAFAAAAAEAAAAAAAAAZAAAAGQAAAAAAAAAZAAAAGQAAAAVAAAAYAAAAAAAAAAAAAAADwAAACADAAAAAAAAAAAAAAEAAACgMgAAVgcAAKr4//8BAAAAf39/AAEAAABkAAAAAAAAABQAAABAHwAAAAAAACYAAAAAAAAAwOD//wAAAAAmAAAAZAAAABYAAABMAAAAAAAAAAAAAAAEAAAAAAAAAAEAAACAgIAKAAAAACgAAAAoAAAAZAAAAGQAAAAAAAAAzMzMAAAAAABQAAAAUAAAAGQAAABkAAAAAAAAABcAAAAUAAAAAAAAANwIAAD/fwAA/38AAAAAAAAJAAAABAAAAAAAAAAMAAAAEAAAAAAAAAAAAAAAAAAAAAAAAAAeAAAAaAAAAAAAAAAAAAAAAAAAAAAAAAAAAAAAECcAABAnAAAAAAAAAAAAAAAAAAAAAAAAAAAAAAAAAAAAAAAAAAAAABQAAAAAAAAAwMD/AAAAAABkAAAAMgAAAAAAAABkAAAAAAAAAH9/fwAKAAAAHwAAAFQAAAC74OMF////AQAAAAAAAAAAAAAAAAAAAAAAAAAAAAAAAAAAAAAAAAAAAAAAAn9/fwCAgIADzMzMAMDA/wB/f38AAAAAAAAAAAAAAAAAAAAAAAAAAAAhAAAAGAAAABQAAAB6CwAA+iQAABkSAACqJgAAECAAACYAAAAIAAAA//////////8="/>
+                <pr:smNativeData xmlns:pr="smNativeData" val="SMDATA_13_gcGAXRMAAAAlAAAAEgAAAE8BAAAAkAAAAEgAAACQAAAASAAAAAAAAAAAAAAAAAAAAAEAAABQAAAAAAAAAAAA4D8AAAAAAADgPwAAAAAAAOA/AAAAAAAA4D8AAAAAAADgPwAAAAAAAOA/AAAAAAAA4D8AAAAAAADgPwAAAAAAAOA/AAAAAAAA4D8CAAAAjAAAAAAAAAAAAAAAu+DjDP///wgAAAAAAAAAAAAAAAAAAAAAAAAAAAAAAAAAAAAAZAAAAAEAAABAAAAAAAAAAAAAAAAAAAAAAAAAAAAAAAAAAAAAAAAAAAAAAAAAAAAAAAAAAAAAAAAAAAAAAAAAAAAAAAAAAAAAAAAAAAAAAAAAAAAAAAAAAAAAAAAAAAAAFAAAADwAAAAAAAAAAAAAAAAAAAkUAAAAAQAAABQAAAAUAAAAFAAAAAEAAAAAAAAAZAAAAGQAAAAAAAAAZAAAAGQAAAAVAAAAYAAAAAAAAAAAAAAADwAAACADAAAAAAAAAAAAAAEAAACgMgAAVgcAAKr4//8BAAAAf39/AAEAAABkAAAAAAAAABQAAABAHwAAAAAAACYAAAAAAAAAwOD//wAAAAAmAAAAZAAAABYAAABMAAAAAAAAAAAAAAAEAAAAAAAAAAEAAACAgIAKAAAAACgAAAAoAAAAZAAAAGQAAAAAAAAAzMzMAAAAAABQAAAAUAAAAGQAAABkAAAAAAAAABcAAAAUAAAAAAAAANwIAAD/fwAA/38AAAAAAAAJAAAABAAAAAAAAAAMAAAAEAAAAAAAAAAAAAAAAAAAAAAAAAAeAAAAaAAAAAAAAAAAAAAAAAAAAAAAAAAAAAAAECcAABAnAAAAAAAAAAAAAAAAAAAAAAAAAAAAAAAAAAAAAAAAAAAAABQAAAAAAAAAwMD/AAAAAABkAAAAMgAAAAAAAABkAAAAAAAAAH9/fwAKAAAAHwAAAFQAAAC74OMF////AQAAAAAAAAAAAAAAAAAAAAAAAAAAAAAAAAAAAAAAAAAAAAAAAn9/fwCAgIADzMzMAMDA/wB/f38AAAAAAAAAAAAAAAAAAAAAAAAAAAAhAAAAGAAAABQAAAB6CwAA+iQAABkSAACqJgAAECAAACYAAAAIAAAA//////////8="/>
               </a:ext>
             </a:extLst>
           </p:cNvSpPr>
@@ -6384,7 +6384,7 @@
           <p:cNvSpPr txBox="1">
             <a:extLst>
               <a:ext uri="smNativeData">
-                <pr:smNativeData xmlns:pr="smNativeData" val="SMDATA_13_IrKAXRMAAAAlAAAAEgAAAE8BAAAAkAAAAEgAAACQAAAASAAAAAAAAAAAAAAAAAAAAAEAAABQAAAAAAAAAAAA4D8AAAAAAADgPwAAAAAAAOA/AAAAAAAA4D8AAAAAAADgPwAAAAAAAOA/AAAAAAAA4D8AAAAAAADgPwAAAAAAAOA/AAAAAAAA4D8CAAAAjAAAAAAAAAAAAAAAu+DjDP///wgAAAAAAAAAAAAAAAAAAAAAAAAAAAAAAAAAAAAAZAAAAAEAAABAAAAAAAAAAAAAAAAAAAAAAAAAAAAAAAAAAAAAAAAAAAAAAAAAAAAAAAAAAAAAAAAAAAAAAAAAAAAAAAAAAAAAAAAAAAAAAAAAAAAAAAAAAAAAAAAAAAAAFAAAADwAAAAAAAAAAAAAAAAAAAkUAAAAAQAAABQAAAAUAAAAFAAAAAEAAAAAAAAAZAAAAGQAAAAAAAAAZAAAAGQAAAAVAAAAYAAAAAAAAAAAAAAADwAAACADAAAAAAAAAAAAAAEAAACgMgAAVgcAAKr4//8BAAAAf39/AAEAAABkAAAAAAAAABQAAABAHwAAAAAAACYAAAAAAAAAwOD//wAAAAAmAAAAZAAAABYAAABMAAAAAAAAAAAAAAAEAAAAAAAAAAEAAACAgIAKAAAAACgAAAAoAAAAZAAAAGQAAAAAAAAAzMzMAAAAAABQAAAAUAAAAGQAAABkAAAAAAAAABcAAAAUAAAAAAAAANwIAAD/fwAA/38AAAAAAAAJAAAABAAAAAAAAAAMAAAAEAAAAAAAAAAAAAAAAAAAAAAAAAAeAAAAaAAAAAAAAAAAAAAAAAAAAAAAAAAAAAAAECcAABAnAAAAAAAAAAAAAAAAAAAAAAAAAAAAAAAAAAAAAAAAAAAAABQAAAAAAAAAwMD/AAAAAABkAAAAMgAAAAAAAABkAAAAAAAAAH9/fwAKAAAAHwAAAFQAAAC74OMF////AQAAAAAAAAAAAAAAAAAAAAAAAAAAAAAAAAAAAAAAAAAAAAAAAn9/fwCAgIADzMzMAMDA/wB/f38AAAAAAAAAAAAAAAAAAAAAAAAAAAAhAAAAGAAAABQAAAC4GAAAjhUAAFcfAAA+FwAAECAAACYAAAAIAAAA//////////8="/>
+                <pr:smNativeData xmlns:pr="smNativeData" val="SMDATA_13_gcGAXRMAAAAlAAAAEgAAAE8BAAAAkAAAAEgAAACQAAAASAAAAAAAAAAAAAAAAAAAAAEAAABQAAAAAAAAAAAA4D8AAAAAAADgPwAAAAAAAOA/AAAAAAAA4D8AAAAAAADgPwAAAAAAAOA/AAAAAAAA4D8AAAAAAADgPwAAAAAAAOA/AAAAAAAA4D8CAAAAjAAAAAAAAAAAAAAAu+DjDP///wgAAAAAAAAAAAAAAAAAAAAAAAAAAAAAAAAAAAAAZAAAAAEAAABAAAAAAAAAAAAAAAAAAAAAAAAAAAAAAAAAAAAAAAAAAAAAAAAAAAAAAAAAAAAAAAAAAAAAAAAAAAAAAAAAAAAAAAAAAAAAAAAAAAAAAAAAAAAAAAAAAAAAFAAAADwAAAAAAAAAAAAAAAAAAAkUAAAAAQAAABQAAAAUAAAAFAAAAAEAAAAAAAAAZAAAAGQAAAAAAAAAZAAAAGQAAAAVAAAAYAAAAAAAAAAAAAAADwAAACADAAAAAAAAAAAAAAEAAACgMgAAVgcAAKr4//8BAAAAf39/AAEAAABkAAAAAAAAABQAAABAHwAAAAAAACYAAAAAAAAAwOD//wAAAAAmAAAAZAAAABYAAABMAAAAAAAAAAAAAAAEAAAAAAAAAAEAAACAgIAKAAAAACgAAAAoAAAAZAAAAGQAAAAAAAAAzMzMAAAAAABQAAAAUAAAAGQAAABkAAAAAAAAABcAAAAUAAAAAAAAANwIAAD/fwAA/38AAAAAAAAJAAAABAAAAAAAAAAMAAAAEAAAAAAAAAAAAAAAAAAAAAAAAAAeAAAAaAAAAAAAAAAAAAAAAAAAAAAAAAAAAAAAECcAABAnAAAAAAAAAAAAAAAAAAAAAAAAAAAAAAAAAAAAAAAAAAAAABQAAAAAAAAAwMD/AAAAAABkAAAAMgAAAAAAAABkAAAAAAAAAH9/fwAKAAAAHwAAAFQAAAC74OMF////AQAAAAAAAAAAAAAAAAAAAAAAAAAAAAAAAAAAAAAAAAAAAAAAAn9/fwCAgIADzMzMAMDA/wB/f38AAAAAAAAAAAAAAAAAAAAAAAAAAAAhAAAAGAAAABQAAAC4GAAAjhUAAFcfAAA+FwAAECAAACYAAAAIAAAA//////////8="/>
               </a:ext>
             </a:extLst>
           </p:cNvSpPr>
@@ -6430,7 +6430,7 @@
           <p:cNvSpPr txBox="1">
             <a:extLst>
               <a:ext uri="smNativeData">
-                <pr:smNativeData xmlns:pr="smNativeData" val="SMDATA_13_IrKAXRMAAAAlAAAAEgAAAE8BAAAAkAAAAEgAAACQAAAASAAAAAAAAAAAAAAAAAAAAAEAAABQAAAAAAAAAAAA4D8AAAAAAADgPwAAAAAAAOA/AAAAAAAA4D8AAAAAAADgPwAAAAAAAOA/AAAAAAAA4D8AAAAAAADgPwAAAAAAAOA/AAAAAAAA4D8CAAAAjAAAAAAAAAAAAAAAu+DjDP///wgAAAAAAAAAAAAAAAAAAAAAAAAAAAAAAAAAAAAAZAAAAAEAAABAAAAAAAAAAAAAAAAAAAAAAAAAAAAAAAAAAAAAAAAAAAAAAAAAAAAAAAAAAAAAAAAAAAAAAAAAAAAAAAAAAAAAAAAAAAAAAAAAAAAAAAAAAAAAAAAAAAAAFAAAADwAAAAAAAAAAAAAAAAAAAkUAAAAAQAAABQAAAAUAAAAFAAAAAEAAAAAAAAAZAAAAGQAAAAAAAAAZAAAAGQAAAAVAAAAYAAAAAAAAAAAAAAADwAAACADAAAAAAAAAAAAAAEAAACgMgAAVgcAAKr4//8BAAAAf39/AAEAAABkAAAAAAAAABQAAABAHwAAAAAAACYAAAAAAAAAwOD//wAAAAAmAAAAZAAAABYAAABMAAAAAAAAAAAAAAAEAAAAAAAAAAEAAACAgIAKAAAAACgAAAAoAAAAZAAAAGQAAAAAAAAAzMzMAAAAAABQAAAAUAAAAGQAAABkAAAAAAAAABcAAAAUAAAAAAAAANwIAAD/fwAA/38AAAAAAAAJAAAABAAAAAAAAAAMAAAAEAAAAAAAAAAAAAAAAAAAAAAAAAAeAAAAaAAAAAAAAAAAAAAAAAAAAAAAAAAAAAAAECcAABAnAAAAAAAAAAAAAAAAAAAAAAAAAAAAAAAAAAAAAAAAAAAAABQAAAAAAAAAwMD/AAAAAABkAAAAMgAAAAAAAABkAAAAAAAAAH9/fwAKAAAAHwAAAFQAAAC74OMF////AQAAAAAAAAAAAAAAAAAAAAAAAAAAAAAAAAAAAAAAAAAAAAAAAn9/fwCAgIADzMzMAMDA/wB/f38AAAAAAAAAAAAAAAAAAAAAAAAAAAAhAAAAGAAAABQAAAC4GAAAeR0AAFcfAAApHwAAECAAACYAAAAIAAAA//////////8="/>
+                <pr:smNativeData xmlns:pr="smNativeData" val="SMDATA_13_gcGAXRMAAAAlAAAAEgAAAE8BAAAAkAAAAEgAAACQAAAASAAAAAAAAAAAAAAAAAAAAAEAAABQAAAAAAAAAAAA4D8AAAAAAADgPwAAAAAAAOA/AAAAAAAA4D8AAAAAAADgPwAAAAAAAOA/AAAAAAAA4D8AAAAAAADgPwAAAAAAAOA/AAAAAAAA4D8CAAAAjAAAAAAAAAAAAAAAu+DjDP///wgAAAAAAAAAAAAAAAAAAAAAAAAAAAAAAAAAAAAAZAAAAAEAAABAAAAAAAAAAAAAAAAAAAAAAAAAAAAAAAAAAAAAAAAAAAAAAAAAAAAAAAAAAAAAAAAAAAAAAAAAAAAAAAAAAAAAAAAAAAAAAAAAAAAAAAAAAAAAAAAAAAAAFAAAADwAAAAAAAAAAAAAAAAAAAkUAAAAAQAAABQAAAAUAAAAFAAAAAEAAAAAAAAAZAAAAGQAAAAAAAAAZAAAAGQAAAAVAAAAYAAAAAAAAAAAAAAADwAAACADAAAAAAAAAAAAAAEAAACgMgAAVgcAAKr4//8BAAAAf39/AAEAAABkAAAAAAAAABQAAABAHwAAAAAAACYAAAAAAAAAwOD//wAAAAAmAAAAZAAAABYAAABMAAAAAAAAAAAAAAAEAAAAAAAAAAEAAACAgIAKAAAAACgAAAAoAAAAZAAAAGQAAAAAAAAAzMzMAAAAAABQAAAAUAAAAGQAAABkAAAAAAAAABcAAAAUAAAAAAAAANwIAAD/fwAA/38AAAAAAAAJAAAABAAAAAAAAAAMAAAAEAAAAAAAAAAAAAAAAAAAAAAAAAAeAAAAaAAAAAAAAAAAAAAAAAAAAAAAAAAAAAAAECcAABAnAAAAAAAAAAAAAAAAAAAAAAAAAAAAAAAAAAAAAAAAAAAAABQAAAAAAAAAwMD/AAAAAABkAAAAMgAAAAAAAABkAAAAAAAAAH9/fwAKAAAAHwAAAFQAAAC74OMF////AQAAAAAAAAAAAAAAAAAAAAAAAAAAAAAAAAAAAAAAAAAAAAAAAn9/fwCAgIADzMzMAMDA/wB/f38AAAAAAAAAAAAAAAAAAAAAAAAAAAAhAAAAGAAAABQAAAC4GAAAeR0AAFcfAAApHwAAECAAACYAAAAIAAAA//////////8="/>
               </a:ext>
             </a:extLst>
           </p:cNvSpPr>
@@ -6476,7 +6476,7 @@
           <p:cNvSpPr txBox="1">
             <a:extLst>
               <a:ext uri="smNativeData">
-                <pr:smNativeData xmlns:pr="smNativeData" val="SMDATA_13_IrKAXRMAAAAlAAAAEgAAAE8BAAAAkAAAAEgAAACQAAAASAAAAAAAAAAAAAAAAAAAAAEAAABQAAAAAAAAAAAA4D8AAAAAAADgPwAAAAAAAOA/AAAAAAAA4D8AAAAAAADgPwAAAAAAAOA/AAAAAAAA4D8AAAAAAADgPwAAAAAAAOA/AAAAAAAA4D8CAAAAjAAAAAAAAAAAAAAAu+DjDP///wgAAAAAAAAAAAAAAAAAAAAAAAAAAAAAAAAAAAAAZAAAAAEAAABAAAAAAAAAAAAAAAAAAAAAAAAAAAAAAAAAAAAAAAAAAAAAAAAAAAAAAAAAAAAAAAAAAAAAAAAAAAAAAAAAAAAAAAAAAAAAAAAAAAAAAAAAAAAAAAAAAAAAFAAAADwAAAAAAAAAAAAAAAAAAAkUAAAAAQAAABQAAAAUAAAAFAAAAAEAAAAAAAAAZAAAAGQAAAAAAAAAZAAAAGQAAAAVAAAAYAAAAAAAAAAAAAAADwAAACADAAAAAAAAAAAAAAEAAACgMgAAVgcAAKr4//8BAAAAf39/AAEAAABkAAAAAAAAABQAAABAHwAAAAAAACYAAAAAAAAAwOD//wAAAAAmAAAAZAAAABYAAABMAAAAAAAAAAAAAAAEAAAAAAAAAAEAAACAgIAKAAAAACgAAAAoAAAAZAAAAGQAAAAAAAAAzMzMAAAAAABQAAAAUAAAAGQAAABkAAAAAAAAABcAAAAUAAAAAAAAANwIAAD/fwAA/38AAAAAAAAJAAAABAAAAAAAAAAMAAAAEAAAAAAAAAAAAAAAAAAAAAAAAAAeAAAAaAAAAAAAAAAAAAAAAAAAAAAAAAAAAAAAECcAABAnAAAAAAAAAAAAAAAAAAAAAAAAAAAAAAAAAAAAAAAAAAAAABQAAAAAAAAAwMD/AAAAAABkAAAAMgAAAAAAAABkAAAAAAAAAH9/fwAKAAAAHwAAAFQAAAC74OMF////AQAAAAAAAAAAAAAAAAAAAAAAAAAAAAAAAAAAAAAAAAAAAAAAAn9/fwCAgIADzMzMAMDA/wB/f38AAAAAAAAAAAAAAAAAAAAAAAAAAAAhAAAAGAAAABQAAAD7EgAAyg8AAJoZAADaEQAAECAAACYAAAAIAAAA//////////8="/>
+                <pr:smNativeData xmlns:pr="smNativeData" val="SMDATA_13_gcGAXRMAAAAlAAAAEgAAAE8BAAAAkAAAAEgAAACQAAAASAAAAAAAAAAAAAAAAAAAAAEAAABQAAAAAAAAAAAA4D8AAAAAAADgPwAAAAAAAOA/AAAAAAAA4D8AAAAAAADgPwAAAAAAAOA/AAAAAAAA4D8AAAAAAADgPwAAAAAAAOA/AAAAAAAA4D8CAAAAjAAAAAAAAAAAAAAAu+DjDP///wgAAAAAAAAAAAAAAAAAAAAAAAAAAAAAAAAAAAAAZAAAAAEAAABAAAAAAAAAAAAAAAAAAAAAAAAAAAAAAAAAAAAAAAAAAAAAAAAAAAAAAAAAAAAAAAAAAAAAAAAAAAAAAAAAAAAAAAAAAAAAAAAAAAAAAAAAAAAAAAAAAAAAFAAAADwAAAAAAAAAAAAAAAAAAAkUAAAAAQAAABQAAAAUAAAAFAAAAAEAAAAAAAAAZAAAAGQAAAAAAAAAZAAAAGQAAAAVAAAAYAAAAAAAAAAAAAAADwAAACADAAAAAAAAAAAAAAEAAACgMgAAVgcAAKr4//8BAAAAf39/AAEAAABkAAAAAAAAABQAAABAHwAAAAAAACYAAAAAAAAAwOD//wAAAAAmAAAAZAAAABYAAABMAAAAAAAAAAAAAAAEAAAAAAAAAAEAAACAgIAKAAAAACgAAAAoAAAAZAAAAGQAAAAAAAAAzMzMAAAAAABQAAAAUAAAAGQAAABkAAAAAAAAABcAAAAUAAAAAAAAANwIAAD/fwAA/38AAAAAAAAJAAAABAAAAAAAAAAMAAAAEAAAAAAAAAAAAAAAAAAAAAAAAAAeAAAAaAAAAAAAAAAAAAAAAAAAAAAAAAAAAAAAECcAABAnAAAAAAAAAAAAAAAAAAAAAAAAAAAAAAAAAAAAAAAAAAAAABQAAAAAAAAAwMD/AAAAAABkAAAAMgAAAAAAAABkAAAAAAAAAH9/fwAKAAAAHwAAAFQAAAC74OMF////AQAAAAAAAAAAAAAAAAAAAAAAAAAAAAAAAAAAAAAAAAAAAAAAAn9/fwCAgIADzMzMAMDA/wB/f38AAAAAAAAAAAAAAAAAAAAAAAAAAAAhAAAAGAAAABQAAAD7EgAAyg8AAJoZAADaEQAAECAAACYAAAAIAAAA//////////8="/>
               </a:ext>
             </a:extLst>
           </p:cNvSpPr>
@@ -6522,7 +6522,7 @@
           <p:cNvSpPr txBox="1">
             <a:extLst>
               <a:ext uri="smNativeData">
-                <pr:smNativeData xmlns:pr="smNativeData" val="SMDATA_13_IrKAXRMAAAAlAAAAEgAAAE8BAAAAkAAAAEgAAACQAAAASAAAAAAAAAAAAAAAAAAAAAEAAABQAAAAAAAAAAAA4D8AAAAAAADgPwAAAAAAAOA/AAAAAAAA4D8AAAAAAADgPwAAAAAAAOA/AAAAAAAA4D8AAAAAAADgPwAAAAAAAOA/AAAAAAAA4D8CAAAAjAAAAAAAAAAAAAAAu+DjDP///wgAAAAAAAAAAAAAAAAAAAAAAAAAAAAAAAAAAAAAZAAAAAEAAABAAAAAAAAAAAAAAAAAAAAAAAAAAAAAAAAAAAAAAAAAAAAAAAAAAAAAAAAAAAAAAAAAAAAAAAAAAAAAAAAAAAAAAAAAAAAAAAAAAAAAAAAAAAAAAAAAAAAAFAAAADwAAAAAAAAAAAAAAAAAAAkUAAAAAQAAABQAAAAUAAAAFAAAAAEAAAAAAAAAZAAAAGQAAAAAAAAAZAAAAGQAAAAVAAAAYAAAAAAAAAAAAAAADwAAACADAAAAAAAAAAAAAAEAAACgMgAAVgcAAKr4//8BAAAAf39/AAEAAABkAAAAAAAAABQAAABAHwAAAAAAACYAAAAAAAAAwOD//wAAAAAmAAAAZAAAABYAAABMAAAAAAAAAAAAAAAEAAAAAAAAAAEAAACAgIAKAAAAACgAAAAoAAAAZAAAAGQAAAAAAAAAzMzMAAAAAABQAAAAUAAAAGQAAABkAAAAAAAAABcAAAAUAAAAAAAAANwIAAD/fwAA/38AAAAAAAAJAAAABAAAAMgFAAAMAAAAEAAAAAAAAAAAAAAAAAAAAAAAAAAeAAAAaAAAAAAAAAAAAAAAAAAAAAAAAAAAAAAAECcAABAnAAAAAAAAAAAAAAAAAAAAAAAAAAAAAAAAAAAAAAAAAAAAABQAAAAAAAAAwMD/AAAAAABkAAAAMgAAAAAAAABkAAAAAAAAAH9/fwAKAAAAHwAAAFQAAAC74OMF////AQAAAAAAAAAAAAAAAAAAAAAAAAAAAAAAAAAAAAAAAAAAAAAAAn9/fwCAgIADzMzMAMDA/wB/f38AAAAAAAAAAAAAAAAAAAAAAAAAAAAhAAAAGAAAABQAAADqGAAA0RAAAIkfAADhEgAAECAAACYAAAAIAAAA//////////8="/>
+                <pr:smNativeData xmlns:pr="smNativeData" val="SMDATA_13_gcGAXRMAAAAlAAAAEgAAAE8BAAAAkAAAAEgAAACQAAAASAAAAAAAAAAAAAAAAAAAAAEAAABQAAAAAAAAAAAA4D8AAAAAAADgPwAAAAAAAOA/AAAAAAAA4D8AAAAAAADgPwAAAAAAAOA/AAAAAAAA4D8AAAAAAADgPwAAAAAAAOA/AAAAAAAA4D8CAAAAjAAAAAAAAAAAAAAAu+DjDP///wgAAAAAAAAAAAAAAAAAAAAAAAAAAAAAAAAAAAAAZAAAAAEAAABAAAAAAAAAAAAAAAAAAAAAAAAAAAAAAAAAAAAAAAAAAAAAAAAAAAAAAAAAAAAAAAAAAAAAAAAAAAAAAAAAAAAAAAAAAAAAAAAAAAAAAAAAAAAAAAAAAAAAFAAAADwAAAAAAAAAAAAAAAAAAAkUAAAAAQAAABQAAAAUAAAAFAAAAAEAAAAAAAAAZAAAAGQAAAAAAAAAZAAAAGQAAAAVAAAAYAAAAAAAAAAAAAAADwAAACADAAAAAAAAAAAAAAEAAACgMgAAVgcAAKr4//8BAAAAf39/AAEAAABkAAAAAAAAABQAAABAHwAAAAAAACYAAAAAAAAAwOD//wAAAAAmAAAAZAAAABYAAABMAAAAAAAAAAAAAAAEAAAAAAAAAAEAAACAgIAKAAAAACgAAAAoAAAAZAAAAGQAAAAAAAAAzMzMAAAAAABQAAAAUAAAAGQAAABkAAAAAAAAABcAAAAUAAAAAAAAANwIAAD/fwAA/38AAAAAAAAJAAAABAAAAMgFAAAMAAAAEAAAAAAAAAAAAAAAAAAAAAAAAAAeAAAAaAAAAAAAAAAAAAAAAAAAAAAAAAAAAAAAECcAABAnAAAAAAAAAAAAAAAAAAAAAAAAAAAAAAAAAAAAAAAAAAAAABQAAAAAAAAAwMD/AAAAAABkAAAAMgAAAAAAAABkAAAAAAAAAH9/fwAKAAAAHwAAAFQAAAC74OMF////AQAAAAAAAAAAAAAAAAAAAAAAAAAAAAAAAAAAAAAAAAAAAAAAAn9/fwCAgIADzMzMAMDA/wB/f38AAAAAAAAAAAAAAAAAAAAAAAAAAAAhAAAAGAAAABQAAADqGAAA0RAAAIkfAADhEgAAECAAACYAAAAIAAAA//////////8="/>
               </a:ext>
             </a:extLst>
           </p:cNvSpPr>
@@ -6568,7 +6568,7 @@
           <p:cNvSpPr>
             <a:extLst>
               <a:ext uri="smNativeData">
-                <pr:smNativeData xmlns:pr="smNativeData" val="SMDATA_13_IrKAXRMAAAAlAAAAZAAAAA8BAAAAkAAAAEgAAACQAAAASAAAAAAAAAAAAAAAAAAAAAEAAABQAAAAAAAAAAAA4D8AAAAAAADgPwAAAAAAAOA/AAAAAAAA4D8AAAAAAADgPwAAAAAAAOA/AAAAAAAA4D8AAAAAAADgPwAAAAAAAOA/AAAAAAAA4D8CAAAAjAAAAAEAAAAAAAAAHh4eAP///wgAAAAAAAAAAAAAAAAAAAAAAAAAAAAAAAAAAAAAZAAAAAEAAABAAAAAAAAAAAAAAAAAAAAAAAAAAAAAAAAAAAAAAAAAAAAAAAAAAAAAAAAAAAAAAAAAAAAAAAAAAAAAAAAAAAAAAAAAAAAAAAAAAAAAAAAAAAAAAAAAAAAAFAAAADwAAAAAAAAAAAAAAAAAAAkAAAAAAQAAAAAAAAAAAAAAAAAAAAAAAAAAAAAAZAAAAGQAAAAAAAAAZAAAAGQAAAAVAAAAYAAAAAAAAAAAAAAADwAAACADAAAAAAAAAAAAAAEAAACgMgAAAAAAAAAAAAABAAAAf39/AAEAAABkAAAAAAAAABQAAABAHwAAAAAAACYAAAAAAAAAwOD//wAAAAAmAAAAZAAAABYAAABMAAAAAAAAAAAAAAAEAAAAAAAAAAEAAACAgIAKAAAAACgAAAAoAAAAZAAAAGQAAAAAAAAAzMzMAAAAAABQAAAAUAAAAGQAAABkAAAAAAAAABcAAAAUAAAAAAAAAAAAAAD/fwAA/38AAAAAAAAJAAAABAAAAAAAAAAMAAAAEAAAAAAAAAAAAAAAAAAAAAAAAAAeAAAAaAAAAAAAAAAAAAAAAAAAAAAAAAAAAAAAECcAABAnAAAAAAAAAAAAAAAAAAAAAAAAAAAAAAAAAAAAAAAAAAAAABQAAAAAAAAAwMD/AAAAAABkAAAAMgAAAAAAAABkAAAAAAAAAH9/fwAKAAAAHwAAAFQAAAAeHh4A////AQAAAAAAAAAAAAAAAAAAAAAAAAAAAAAAAAAAAAAAAAAAAAAAAn9/fwCAgIADzMzMAMDA/wB/f38AAAAAAAAAAAAAAAAAAAAAAAAAAAAhAAAAGAAAABQAAAAAAAAAZQcAAEA4AAC4CAAAEAAAACYAAAAIAAAA//////////8="/>
+                <pr:smNativeData xmlns:pr="smNativeData" val="SMDATA_13_gcGAXRMAAAAlAAAAZAAAAA8BAAAAkAAAAEgAAACQAAAASAAAAAAAAAAAAAAAAAAAAAEAAABQAAAAAAAAAAAA4D8AAAAAAADgPwAAAAAAAOA/AAAAAAAA4D8AAAAAAADgPwAAAAAAAOA/AAAAAAAA4D8AAAAAAADgPwAAAAAAAOA/AAAAAAAA4D8CAAAAjAAAAAEAAAAAAAAAHh4eAP///wgAAAAAAAAAAAAAAAAAAAAAAAAAAAAAAAAAAAAAZAAAAAEAAABAAAAAAAAAAAAAAAAAAAAAAAAAAAAAAAAAAAAAAAAAAAAAAAAAAAAAAAAAAAAAAAAAAAAAAAAAAAAAAAAAAAAAAAAAAAAAAAAAAAAAAAAAAAAAAAAAAAAAFAAAADwAAAAAAAAAAAAAAAAAAAkAAAAAAQAAAAAAAAAAAAAAAAAAAAAAAAAAAAAAZAAAAGQAAAAAAAAAZAAAAGQAAAAVAAAAYAAAAAAAAAAAAAAADwAAACADAAAAAAAAAAAAAAEAAACgMgAAAAAAAAAAAAABAAAAf39/AAEAAABkAAAAAAAAABQAAABAHwAAAAAAACYAAAAAAAAAwOD//wAAAAAmAAAAZAAAABYAAABMAAAAAAAAAAAAAAAEAAAAAAAAAAEAAACAgIAKAAAAACgAAAAoAAAAZAAAAGQAAAAAAAAAzMzMAAAAAABQAAAAUAAAAGQAAABkAAAAAAAAABcAAAAUAAAAAAAAAAAAAAD/fwAA/38AAAAAAAAJAAAABAAAAAAAAAAMAAAAEAAAAAAAAAAAAAAAAAAAAAAAAAAeAAAAaAAAAAAAAAAAAAAAAAAAAAAAAAAAAAAAECcAABAnAAAAAAAAAAAAAAAAAAAAAAAAAAAAAAAAAAAAAAAAAAAAABQAAAAAAAAAwMD/AAAAAABkAAAAMgAAAAAAAABkAAAAAAAAAH9/fwAKAAAAHwAAAFQAAAAeHh4A////AQAAAAAAAAAAAAAAAAAAAAAAAAAAAAAAAAAAAAAAAAAAAAAAAn9/fwCAgIADzMzMAMDA/wB/f38AAAAAAAAAAAAAAAAAAAAAAAAAAAAhAAAAGAAAABQAAAAAAAAAZQcAAEA4AAC4CAAAEAAAACYAAAAIAAAA//////////8="/>
               </a:ext>
             </a:extLst>
           </p:cNvSpPr>
@@ -6637,7 +6637,7 @@
           <p:cNvSpPr>
             <a:extLst>
               <a:ext uri="smNativeData">
-                <pr:smNativeData xmlns:pr="smNativeData" val="SMDATA_13_IrKAXRMAAAAlAAAACgAAAA8BAAAAkAAAAEgAAACQAAAASAAAAAAAAAAAAAAAAAAAAAEAAABQAAAAAAAAAAAA4D8AAAAAAADgPwAAAAAAAOA/AAAAAAAA4D8AAAAAAADgPwAAAAAAAOA/AAAAAAAA4D8AAAAAAADgPwAAAAAAAOA/AAAAAAAA4D8CAAAAjAAAAAAAAAAAAAAAu+DjDP///wgAAAAAAAAAAAAAAAAAAAAAAAAAAAAAAAAAAAAAZAAAAAEAAABAAAAAAAAAAAAAAAAAAAAAAAAAAAAAAAAAAAAAAAAAAAAAAAAAAAAAAAAAAAAAAAAAAAAAAAAAAAAAAAAAAAAAAAAAAAAAAAAAAAAAAAAAAAAAAAAAAAAAFAAAADwAAAABAAAAAAAAAFVVVQBQAAAAAQAAAAQAAAAAAAAAAAAAAAAAAAAAAAAAZAAAAGQAAAACAAAAZAAAAGQAAAAVAAAAYAAAAAAAAAAAAAAADwAAACADAAAAAAAAAAAAAAEAAACgMgAAAAAAAAAAAAABAAAAf39/AAEAAABkAAAAAAAAABQAAABAHwAAAAAAACYAAAAAAAAAwOD//wAAAAAmAAAAZAAAABYAAABMAAAAAAAAAAAAAAAEAAAAAAAAAAEAAACAgIAKAAAAACgAAAAoAAAAZAAAAGQAAAAAAAAAzMzMAAAAAABQAAAAUAAAAGQAAABkAAAAAAAAABcAAAAUAAAAAAAAAAAAAAD/fwAA/38AAAAAAAAJAAAABAAAAEZGRkYMAAAAEAAAAAAAAAAAAAAAAAAAAAAAAAAeAAAAaAAAAAAAAAAAAAAAAAAAAAAAAAAAAAAAECcAABAnAAAAAAAAAAAAAAAAAAAAAAAAAAAAAAAAAAAAAAAAAAAAABQAAAAAAAAAwMD/AAAAAABkAAAAMgAAAAAAAABkAAAAAAAAAH9/fwAKAAAAHwAAAFQAAAC74OMF////AQAAAAAAAAAAAAAAAAAAAAAAAAAAAAAAAAAAAAAAAAAAVVVVAH9/fwCAgIADzMzMAMDA/wB/f38AAAAAAAAAAAAAAAAAAAAAAAAAAAAhAAAAGAAAABQAAAA3HAAA0g4AADkcAAB6EAAAEAAAACYAAAAIAAAA//////////8="/>
+                <pr:smNativeData xmlns:pr="smNativeData" val="SMDATA_13_gcGAXRMAAAAlAAAACgAAAA8BAAAAkAAAAEgAAACQAAAASAAAAAAAAAAAAAAAAAAAAAEAAABQAAAAAAAAAAAA4D8AAAAAAADgPwAAAAAAAOA/AAAAAAAA4D8AAAAAAADgPwAAAAAAAOA/AAAAAAAA4D8AAAAAAADgPwAAAAAAAOA/AAAAAAAA4D8CAAAAjAAAAAAAAAAAAAAAu+DjDP///wgAAAAAAAAAAAAAAAAAAAAAAAAAAAAAAAAAAAAAZAAAAAEAAABAAAAAAAAAAAAAAAAAAAAAAAAAAAAAAAAAAAAAAAAAAAAAAAAAAAAAAAAAAAAAAAAAAAAAAAAAAAAAAAAAAAAAAAAAAAAAAAAAAAAAAAAAAAAAAAAAAAAAFAAAADwAAAABAAAAAAAAAFVVVQBQAAAAAQAAAAQAAAAAAAAAAAAAAAAAAAAAAAAAZAAAAGQAAAACAAAAZAAAAGQAAAAVAAAAYAAAAAAAAAAAAAAADwAAACADAAAAAAAAAAAAAAEAAACgMgAAAAAAAAAAAAABAAAAf39/AAEAAABkAAAAAAAAABQAAABAHwAAAAAAACYAAAAAAAAAwOD//wAAAAAmAAAAZAAAABYAAABMAAAAAAAAAAAAAAAEAAAAAAAAAAEAAACAgIAKAAAAACgAAAAoAAAAZAAAAGQAAAAAAAAAzMzMAAAAAABQAAAAUAAAAGQAAABkAAAAAAAAABcAAAAUAAAAAAAAAAAAAAD/fwAA/38AAAAAAAAJAAAABAAAAEZGRkYMAAAAEAAAAAAAAAAAAAAAAAAAAAAAAAAeAAAAaAAAAAAAAAAAAAAAAAAAAAAAAAAAAAAAECcAABAnAAAAAAAAAAAAAAAAAAAAAAAAAAAAAAAAAAAAAAAAAAAAABQAAAAAAAAAwMD/AAAAAABkAAAAMgAAAAAAAABkAAAAAAAAAH9/fwAKAAAAHwAAAFQAAAC74OMF////AQAAAAAAAAAAAAAAAAAAAAAAAAAAAAAAAAAAAAAAAAAAVVVVAH9/fwCAgIADzMzMAMDA/wB/f38AAAAAAAAAAAAAAAAAAAAAAAAAAAAhAAAAGAAAABQAAAA3HAAA0g4AADkcAAB6EAAAEAAAACYAAAAIAAAA//////////8="/>
               </a:ext>
             </a:extLst>
           </p:cNvSpPr>
@@ -6669,7 +6669,7 @@
           <p:cNvSpPr>
             <a:extLst>
               <a:ext uri="smNativeData">
-                <pr:smNativeData xmlns:pr="smNativeData" val="SMDATA_13_IrKAXRMAAAAlAAAACgAAAA8BAAAAkAAAAEgAAACQAAAASAAAAAAAAAAAAAAAAAAAAAEAAABQAAAAAAAAAAAA4D8AAAAAAADgPwAAAAAAAOA/AAAAAAAA4D8AAAAAAADgPwAAAAAAAOA/AAAAAAAA4D8AAAAAAADgPwAAAAAAAOA/AAAAAAAA4D8CAAAAjAAAAAAAAAAAAAAAu+DjDP///wgAAAAAAAAAAAAAAAAAAAAAAAAAAAAAAAAAAAAAZAAAAAEAAABAAAAAAAAAAAAAAAAAAAAAAAAAAAAAAAAAAAAAAAAAAAAAAAAAAAAAAAAAAAAAAAAAAAAAAAAAAAAAAAAAAAAAAAAAAAAAAAAAAAAAAAAAAAAAAAAAAAAAFAAAADwAAAABAAAAAAAAAFVVVQBQAAAAAQAAAAQAAAAAAAAAAAAAAAAAAAAAAAAAZAAAAGQAAAACAAAAZAAAAGQAAAAVAAAAYAAAAAAAAAAAAAAADwAAACADAAAAAAAAAAAAAAEAAACgMgAAAAAAAAAAAAABAAAAf39/AAEAAABkAAAAAAAAABQAAABAHwAAAAAAACYAAAAAAAAAwOD//wAAAAAmAAAAZAAAABYAAABMAAAAAAAAAAAAAAAEAAAAAAAAAAEAAACAgIAKAAAAACgAAAAoAAAAZAAAAGQAAAAAAAAAzMzMAAAAAABQAAAAUAAAAGQAAABkAAAAAAAAABcAAAAUAAAAAAAAAAAAAAD/fwAA/38AAAAAAAAJAAAABAAAADY0NjIMAAAAEAAAAAAAAAAAAAAAAAAAAAAAAAAeAAAAaAAAAAAAAAAAAAAAAAAAAAAAAAAAAAAAECcAABAnAAAAAAAAAAAAAAAAAAAAAAAAAAAAAAAAAAAAAAAAAAAAABQAAAAAAAAAwMD/AAAAAABkAAAAMgAAAAAAAABkAAAAAAAAAH9/fwAKAAAAHwAAAFQAAAC74OMF////AQAAAAAAAAAAAAAAAAAAAAAAAAAAAAAAAAAAAAAAAAAAVVVVAH9/fwCAgIADzMzMAMDA/wB/f38AAAAAAAAAAAAAAAAAAAAAAAAAAAAhAAAAGAAAABQAAAD0FgAA9w4AAMAaAAA7EAAAEAAAACYAAAAIAAAA//////////8="/>
+                <pr:smNativeData xmlns:pr="smNativeData" val="SMDATA_13_gcGAXRMAAAAlAAAACgAAAA8BAAAAkAAAAEgAAACQAAAASAAAAAAAAAAAAAAAAAAAAAEAAABQAAAAAAAAAAAA4D8AAAAAAADgPwAAAAAAAOA/AAAAAAAA4D8AAAAAAADgPwAAAAAAAOA/AAAAAAAA4D8AAAAAAADgPwAAAAAAAOA/AAAAAAAA4D8CAAAAjAAAAAAAAAAAAAAAu+DjDP///wgAAAAAAAAAAAAAAAAAAAAAAAAAAAAAAAAAAAAAZAAAAAEAAABAAAAAAAAAAAAAAAAAAAAAAAAAAAAAAAAAAAAAAAAAAAAAAAAAAAAAAAAAAAAAAAAAAAAAAAAAAAAAAAAAAAAAAAAAAAAAAAAAAAAAAAAAAAAAAAAAAAAAFAAAADwAAAABAAAAAAAAAFVVVQBQAAAAAQAAAAQAAAAAAAAAAAAAAAAAAAAAAAAAZAAAAGQAAAACAAAAZAAAAGQAAAAVAAAAYAAAAAAAAAAAAAAADwAAACADAAAAAAAAAAAAAAEAAACgMgAAAAAAAAAAAAABAAAAf39/AAEAAABkAAAAAAAAABQAAABAHwAAAAAAACYAAAAAAAAAwOD//wAAAAAmAAAAZAAAABYAAABMAAAAAAAAAAAAAAAEAAAAAAAAAAEAAACAgIAKAAAAACgAAAAoAAAAZAAAAGQAAAAAAAAAzMzMAAAAAABQAAAAUAAAAGQAAABkAAAAAAAAABcAAAAUAAAAAAAAAAAAAAD/fwAA/38AAAAAAAAJAAAABAAAADY0NjIMAAAAEAAAAAAAAAAAAAAAAAAAAAAAAAAeAAAAaAAAAAAAAAAAAAAAAAAAAAAAAAAAAAAAECcAABAnAAAAAAAAAAAAAAAAAAAAAAAAAAAAAAAAAAAAAAAAAAAAABQAAAAAAAAAwMD/AAAAAABkAAAAMgAAAAAAAABkAAAAAAAAAH9/fwAKAAAAHwAAAFQAAAC74OMF////AQAAAAAAAAAAAAAAAAAAAAAAAAAAAAAAAAAAAAAAAAAAVVVVAH9/fwCAgIADzMzMAMDA/wB/f38AAAAAAAAAAAAAAAAAAAAAAAAAAAAhAAAAGAAAABQAAAD0FgAA9w4AAMAaAAA7EAAAEAAAACYAAAAIAAAA//////////8="/>
               </a:ext>
             </a:extLst>
           </p:cNvSpPr>
@@ -6701,7 +6701,7 @@
           <p:cNvSpPr>
             <a:extLst>
               <a:ext uri="smNativeData">
-                <pr:smNativeData xmlns:pr="smNativeData" val="SMDATA_13_IrKAXRMAAAAlAAAACgAAAA8BAAAAkAAAAEgAAACQAAAASAAAAAAAAAAAAAAAAAAAAAEAAABQAAAAAAAAAAAA4D8AAAAAAADgPwAAAAAAAOA/AAAAAAAA4D8AAAAAAADgPwAAAAAAAOA/AAAAAAAA4D8AAAAAAADgPwAAAAAAAOA/AAAAAAAA4D8CAAAAjAAAAAAAAAAAAAAAu+DjDP///wgAAAAAAAAAAAAAAAAAAAAAAAAAAAAAAAAAAAAAZAAAAAEAAABAAAAAAAAAAAAAAAAAAAAAAAAAAAAAAAAAAAAAAAAAAAAAAAAAAAAAAAAAAAAAAAAAAAAAAAAAAAAAAAAAAAAAAAAAAAAAAAAAAAAAAAAAAAAAAAAAAAAAFAAAADwAAAABAAAAAAAAAFVVVQBQAAAAAQAAAAQAAAAAAAAAAAAAAAAAAAAAAAAAZAAAAGQAAAACAAAAZAAAAGQAAAAVAAAAYAAAAAAAAAAAAAAADwAAACADAAAAAAAAAAAAAAEAAACgMgAAAAAAAAAAAAABAAAAf39/AAEAAABkAAAAAAAAABQAAABAHwAAAAAAACYAAAAAAAAAwOD//wAAAAAmAAAAZAAAABYAAABMAAAAAAAAAAAAAAAEAAAAAAAAAAEAAACAgIAKAAAAACgAAAAoAAAAZAAAAGQAAAAAAAAAzMzMAAAAAABQAAAAUAAAAGQAAABkAAAAAAAAABcAAAAUAAAAAAAAAAAAAAD/fwAA/38AAAAAAAAJAAAABAAAAEZGRjcMAAAAEAAAAAAAAAAAAAAAAAAAAAAAAAAeAAAAaAAAAAAAAAAAAAAAAAAAAAAAAAAAAAAAECcAABAnAAAAAAAAAAAAAAAAAAAAAAAAAAAAAAAAAAAAAAAAAAAAABQAAAAAAAAAwMD/AAAAAABkAAAAMgAAAAAAAABkAAAAAAAAAH9/fwAKAAAAHwAAAFQAAAC74OMF////AQAAAAAAAAAAAAAAAAAAAAAAAAAAAAAAAAAAAAAAAAAAVVVVAH9/fwCAgIADzMzMAMDA/wB/f38AAAAAAAAAAAAAAAAAAAAAAAAAAAAhAAAAGAAAABQAAAACDwAA/xEAADAVAAA0FAAAEAAAACYAAAAIAAAA//////////8="/>
+                <pr:smNativeData xmlns:pr="smNativeData" val="SMDATA_13_gcGAXRMAAAAlAAAACgAAAA8BAAAAkAAAAEgAAACQAAAASAAAAAAAAAAAAAAAAAAAAAEAAABQAAAAAAAAAAAA4D8AAAAAAADgPwAAAAAAAOA/AAAAAAAA4D8AAAAAAADgPwAAAAAAAOA/AAAAAAAA4D8AAAAAAADgPwAAAAAAAOA/AAAAAAAA4D8CAAAAjAAAAAAAAAAAAAAAu+DjDP///wgAAAAAAAAAAAAAAAAAAAAAAAAAAAAAAAAAAAAAZAAAAAEAAABAAAAAAAAAAAAAAAAAAAAAAAAAAAAAAAAAAAAAAAAAAAAAAAAAAAAAAAAAAAAAAAAAAAAAAAAAAAAAAAAAAAAAAAAAAAAAAAAAAAAAAAAAAAAAAAAAAAAAFAAAADwAAAABAAAAAAAAAFVVVQBQAAAAAQAAAAQAAAAAAAAAAAAAAAAAAAAAAAAAZAAAAGQAAAACAAAAZAAAAGQAAAAVAAAAYAAAAAAAAAAAAAAADwAAACADAAAAAAAAAAAAAAEAAACgMgAAAAAAAAAAAAABAAAAf39/AAEAAABkAAAAAAAAABQAAABAHwAAAAAAACYAAAAAAAAAwOD//wAAAAAmAAAAZAAAABYAAABMAAAAAAAAAAAAAAAEAAAAAAAAAAEAAACAgIAKAAAAACgAAAAoAAAAZAAAAGQAAAAAAAAAzMzMAAAAAABQAAAAUAAAAGQAAABkAAAAAAAAABcAAAAUAAAAAAAAAAAAAAD/fwAA/38AAAAAAAAJAAAABAAAAEZGRjcMAAAAEAAAAAAAAAAAAAAAAAAAAAAAAAAeAAAAaAAAAAAAAAAAAAAAAAAAAAAAAAAAAAAAECcAABAnAAAAAAAAAAAAAAAAAAAAAAAAAAAAAAAAAAAAAAAAAAAAABQAAAAAAAAAwMD/AAAAAABkAAAAMgAAAAAAAABkAAAAAAAAAH9/fwAKAAAAHwAAAFQAAAC74OMF////AQAAAAAAAAAAAAAAAAAAAAAAAAAAAAAAAAAAAAAAAAAAVVVVAH9/fwCAgIADzMzMAMDA/wB/f38AAAAAAAAAAAAAAAAAAAAAAAAAAAAhAAAAGAAAABQAAAACDwAA/xEAADAVAAA0FAAAEAAAACYAAAAIAAAA//////////8="/>
               </a:ext>
             </a:extLst>
           </p:cNvSpPr>
@@ -6733,7 +6733,7 @@
           <p:cNvSpPr>
             <a:extLst>
               <a:ext uri="smNativeData">
-                <pr:smNativeData xmlns:pr="smNativeData" val="SMDATA_13_IrKAXRMAAAAlAAAACgAAAA8BAAAAkAAAAEgAAACQAAAASAAAAAAAAAAAAAAAAAAAAAEAAABQAAAAAAAAAAAA4D8AAAAAAADgPwAAAAAAAOA/AAAAAAAA4D8AAAAAAADgPwAAAAAAAOA/AAAAAAAA4D8AAAAAAADgPwAAAAAAAOA/AAAAAAAA4D8CAAAAjAAAAAAAAAAAAAAAu+DjDP///wgAAAAAAAAAAAAAAAAAAAAAAAAAAAAAAAAAAAAAZAAAAAEAAABAAAAAAAAAAAAAAAAAAAAAAAAAAAAAAAAAAAAAAAAAAAAAAAAAAAAAAAAAAAAAAAAAAAAAAAAAAAAAAAAAAAAAAAAAAAAAAAAAAAAAAAAAAAAAAAAAAAAAFAAAADwAAAABAAAAAAAAAFVVVQBQAAAAAQAAAAQAAAAAAAAAAAAAAAAAAAAAAAAAZAAAAGQAAAACAAAAZAAAAGQAAAAVAAAAYAAAAAAAAAAAAAAADwAAACADAAAAAAAAAAAAAAEAAACgMgAAAAAAAAAAAAABAAAAf39/AAEAAABkAAAAAAAAABQAAABAHwAAAAAAACYAAAAAAAAAwOD//wAAAAAmAAAAZAAAABYAAABMAAAAAAAAAAAAAAAEAAAAAAAAAAEAAACAgIAKAAAAACgAAAAoAAAAZAAAAGQAAAAAAAAAzMzMAAAAAABQAAAAUAAAAGQAAABkAAAAAAAAABcAAAAUAAAAAAAAAAAAAAD/fwAA/38AAAAAAAAJAAAABAAAADY2Q0MMAAAAEAAAAAAAAAAAAAAAAAAAAAAAAAAeAAAAaAAAAAAAAAAAAAAAAAAAAAAAAAAAAAAAECcAABAnAAAAAAAAAAAAAAAAAAAAAAAAAAAAAAAAAAAAAAAAAAAAABQAAAAAAAAAwMD/AAAAAABkAAAAMgAAAAAAAABkAAAAAAAAAH9/fwAKAAAAHwAAAFQAAAC74OMF////AQAAAAAAAAAAAAAAAAAAAAAAAAAAAAAAAAAAAAAAAAAAVVVVAH9/fwCAgIADzMzMAMDA/wB/f38AAAAAAAAAAAAAAAAAAAAAAAAAAAAhAAAAGAAAABQAAAC9DgAAKiEAAL8OAADQIwAAEAAAACYAAAAIAAAA//////////8="/>
+                <pr:smNativeData xmlns:pr="smNativeData" val="SMDATA_13_gcGAXRMAAAAlAAAACgAAAA8BAAAAkAAAAEgAAACQAAAASAAAAAAAAAAAAAAAAAAAAAEAAABQAAAAAAAAAAAA4D8AAAAAAADgPwAAAAAAAOA/AAAAAAAA4D8AAAAAAADgPwAAAAAAAOA/AAAAAAAA4D8AAAAAAADgPwAAAAAAAOA/AAAAAAAA4D8CAAAAjAAAAAAAAAAAAAAAu+DjDP///wgAAAAAAAAAAAAAAAAAAAAAAAAAAAAAAAAAAAAAZAAAAAEAAABAAAAAAAAAAAAAAAAAAAAAAAAAAAAAAAAAAAAAAAAAAAAAAAAAAAAAAAAAAAAAAAAAAAAAAAAAAAAAAAAAAAAAAAAAAAAAAAAAAAAAAAAAAAAAAAAAAAAAFAAAADwAAAABAAAAAAAAAFVVVQBQAAAAAQAAAAQAAAAAAAAAAAAAAAAAAAAAAAAAZAAAAGQAAAACAAAAZAAAAGQAAAAVAAAAYAAAAAAAAAAAAAAADwAAACADAAAAAAAAAAAAAAEAAACgMgAAAAAAAAAAAAABAAAAf39/AAEAAABkAAAAAAAAABQAAABAHwAAAAAAACYAAAAAAAAAwOD//wAAAAAmAAAAZAAAABYAAABMAAAAAAAAAAAAAAAEAAAAAAAAAAEAAACAgIAKAAAAACgAAAAoAAAAZAAAAGQAAAAAAAAAzMzMAAAAAABQAAAAUAAAAGQAAABkAAAAAAAAABcAAAAUAAAAAAAAAAAAAAD/fwAA/38AAAAAAAAJAAAABAAAADY2Q0MMAAAAEAAAAAAAAAAAAAAAAAAAAAAAAAAeAAAAaAAAAAAAAAAAAAAAAAAAAAAAAAAAAAAAECcAABAnAAAAAAAAAAAAAAAAAAAAAAAAAAAAAAAAAAAAAAAAAAAAABQAAAAAAAAAwMD/AAAAAABkAAAAMgAAAAAAAABkAAAAAAAAAH9/fwAKAAAAHwAAAFQAAAC74OMF////AQAAAAAAAAAAAAAAAAAAAAAAAAAAAAAAAAAAAAAAAAAAVVVVAH9/fwCAgIADzMzMAMDA/wB/f38AAAAAAAAAAAAAAAAAAAAAAAAAAAAhAAAAGAAAABQAAAC9DgAAKiEAAL8OAADQIwAAEAAAACYAAAAIAAAA//////////8="/>
               </a:ext>
             </a:extLst>
           </p:cNvSpPr>
@@ -6765,7 +6765,7 @@
           <p:cNvSpPr>
             <a:extLst>
               <a:ext uri="smNativeData">
-                <pr:smNativeData xmlns:pr="smNativeData" val="SMDATA_13_IrKAXRMAAAAlAAAACgAAAA8BAAAAkAAAAEgAAACQAAAASAAAAAAAAAAAAAAAAAAAAAEAAABQAAAAAAAAAAAA4D8AAAAAAADgPwAAAAAAAOA/AAAAAAAA4D8AAAAAAADgPwAAAAAAAOA/AAAAAAAA4D8AAAAAAADgPwAAAAAAAOA/AAAAAAAA4D8CAAAAjAAAAAAAAAAAAAAAu+DjDP///wgAAAAAAAAAAAAAAAAAAAAAAAAAAAAAAAAAAAAAZAAAAAEAAABAAAAAAAAAAAAAAAAAAAAAAAAAAAAAAAAAAAAAAAAAAAAAAAAAAAAAAAAAAAAAAAAAAAAAAAAAAAAAAAAAAAAAAAAAAAAAAAAAAAAAAAAAAAAAAAAAAAAAFAAAADwAAAABAAAAAAAAAFVVVQBQAAAAAQAAAAQAAAAAAAAAAAAAAAAAAAAAAAAAZAAAAGQAAAACAAAAZAAAAGQAAAAVAAAAYAAAAAAAAAAAAAAADwAAACADAAAAAAAAAAAAAAEAAACgMgAAAAAAAAAAAAABAAAAf39/AAEAAABkAAAAAAAAABQAAABAHwAAAAAAACYAAAAAAAAAwOD//wAAAAAmAAAAZAAAABYAAABMAAAAAAAAAAAAAAAEAAAAAAAAAAEAAACAgIAKAAAAACgAAAAoAAAAZAAAAGQAAAAAAAAAzMzMAAAAAABQAAAAUAAAAGQAAABkAAAAAAAAABcAAAAUAAAAAAAAAAAAAAD/fwAA/38AAAAAAAAJAAAABAAAADMzMDAMAAAAEAAAAAAAAAAAAAAAAAAAAAAAAAAeAAAAaAAAAAAAAAAAAAAAAAAAAAAAAAAAAAAAECcAABAnAAAAAAAAAAAAAAAAAAAAAAAAAAAAAAAAAAAAAAAAAAAAABQAAAAAAAAAwMD/AAAAAABkAAAAMgAAAAAAAABkAAAAAAAAAH9/fwAKAAAAHwAAAFQAAAC74OMF////AQAAAAAAAAAAAAAAAAAAAAAAAAAAAAAAAAAAAAAAAAAAVVVVAH9/fwCAgIADzMzMAMDA/wB/f38AAAAAAAAAAAAAAAAAAAAAAAAAAAAhAAAAGAAAABQAAADXDgAAdBkAANkOAAAaHAAAEAAAACYAAAAIAAAA//////////8="/>
+                <pr:smNativeData xmlns:pr="smNativeData" val="SMDATA_13_gcGAXRMAAAAlAAAACgAAAA8BAAAAkAAAAEgAAACQAAAASAAAAAAAAAAAAAAAAAAAAAEAAABQAAAAAAAAAAAA4D8AAAAAAADgPwAAAAAAAOA/AAAAAAAA4D8AAAAAAADgPwAAAAAAAOA/AAAAAAAA4D8AAAAAAADgPwAAAAAAAOA/AAAAAAAA4D8CAAAAjAAAAAAAAAAAAAAAu+DjDP///wgAAAAAAAAAAAAAAAAAAAAAAAAAAAAAAAAAAAAAZAAAAAEAAABAAAAAAAAAAAAAAAAAAAAAAAAAAAAAAAAAAAAAAAAAAAAAAAAAAAAAAAAAAAAAAAAAAAAAAAAAAAAAAAAAAAAAAAAAAAAAAAAAAAAAAAAAAAAAAAAAAAAAFAAAADwAAAABAAAAAAAAAFVVVQBQAAAAAQAAAAQAAAAAAAAAAAAAAAAAAAAAAAAAZAAAAGQAAAACAAAAZAAAAGQAAAAVAAAAYAAAAAAAAAAAAAAADwAAACADAAAAAAAAAAAAAAEAAACgMgAAAAAAAAAAAAABAAAAf39/AAEAAABkAAAAAAAAABQAAABAHwAAAAAAACYAAAAAAAAAwOD//wAAAAAmAAAAZAAAABYAAABMAAAAAAAAAAAAAAAEAAAAAAAAAAEAAACAgIAKAAAAACgAAAAoAAAAZAAAAGQAAAAAAAAAzMzMAAAAAABQAAAAUAAAAGQAAABkAAAAAAAAABcAAAAUAAAAAAAAAAAAAAD/fwAA/38AAAAAAAAJAAAABAAAADMzMDAMAAAAEAAAAAAAAAAAAAAAAAAAAAAAAAAeAAAAaAAAAAAAAAAAAAAAAAAAAAAAAAAAAAAAECcAABAnAAAAAAAAAAAAAAAAAAAAAAAAAAAAAAAAAAAAAAAAAAAAABQAAAAAAAAAwMD/AAAAAABkAAAAMgAAAAAAAABkAAAAAAAAAH9/fwAKAAAAHwAAAFQAAAC74OMF////AQAAAAAAAAAAAAAAAAAAAAAAAAAAAAAAAAAAAAAAAAAAVVVVAH9/fwCAgIADzMzMAMDA/wB/f38AAAAAAAAAAAAAAAAAAAAAAAAAAAAhAAAAGAAAABQAAADXDgAAdBkAANkOAAAaHAAAEAAAACYAAAAIAAAA//////////8="/>
               </a:ext>
             </a:extLst>
           </p:cNvSpPr>
@@ -6797,7 +6797,7 @@
           <p:cNvSpPr>
             <a:extLst>
               <a:ext uri="smNativeData">
-                <pr:smNativeData xmlns:pr="smNativeData" val="SMDATA_13_IrKAXRMAAAAlAAAACgAAAA8BAAAAkAAAAEgAAACQAAAASAAAAAAAAAAAAAAAAAAAAAEAAABQAAAAAAAAAAAA4D8AAAAAAADgPwAAAAAAAOA/AAAAAAAA4D8AAAAAAADgPwAAAAAAAOA/AAAAAAAA4D8AAAAAAADgPwAAAAAAAOA/AAAAAAAA4D8CAAAAjAAAAAAAAAAAAAAAu+DjDP///wgAAAAAAAAAAAAAAAAAAAAAAAAAAAAAAAAAAAAAZAAAAAEAAABAAAAAAAAAAAAAAAAAAAAAAAAAAAAAAAAAAAAAAAAAAAAAAAAAAAAAAAAAAAAAAAAAAAAAAAAAAAAAAAAAAAAAAAAAAAAAAAAAAAAAAAAAAAAAAAAAAAAAFAAAADwAAAABAAAAAAAAAFVVVQBQAAAAAQAAAAQAAAAAAAAAAAAAAAAAAAAAAAAAZAAAAGQAAAACAAAAZAAAAGQAAAAVAAAAYAAAAAAAAAAAAAAADwAAACADAAAAAAAAAAAAAAEAAACgMgAAAAAAAAAAAAABAAAAf39/AAEAAABkAAAAAAAAABQAAABAHwAAAAAAACYAAAAAAAAAwOD//wAAAAAmAAAAZAAAABYAAABMAAAAAAAAAAAAAAAEAAAAAAAAAAEAAACAgIAKAAAAACgAAAAoAAAAZAAAAGQAAAAAAAAAzMzMAAAAAABQAAAAUAAAAGQAAABkAAAAAAAAABcAAAAUAAAAAAAAAAAAAAD/fwAA/38AAAAAAAAJAAAABAAAADMzOTkMAAAAEAAAAAAAAAAAAAAAAAAAAAAAAAAeAAAAaAAAAAAAAAAAAAAAAAAAAAAAAAAAAAAAECcAABAnAAAAAAAAAAAAAAAAAAAAAAAAAAAAAAAAAAAAAAAAAAAAABQAAAAAAAAAwMD/AAAAAABkAAAAMgAAAAAAAABkAAAAAAAAAH9/fwAKAAAAHwAAAFQAAAC74OMF////AQAAAAAAAAAAAAAAAAAAAAAAAAAAAAAAAAAAAAAAAAAAVVVVAH9/fwCAgIADzMzMAMDA/wB/f38AAAAAAAAAAAAAAAAAAAAAAAAAAAAhAAAAGAAAABQAAAA3HAAAjBkAADkcAAAyHAAAEAAAACYAAAAIAAAA//////////8="/>
+                <pr:smNativeData xmlns:pr="smNativeData" val="SMDATA_13_gcGAXRMAAAAlAAAACgAAAA8BAAAAkAAAAEgAAACQAAAASAAAAAAAAAAAAAAAAAAAAAEAAABQAAAAAAAAAAAA4D8AAAAAAADgPwAAAAAAAOA/AAAAAAAA4D8AAAAAAADgPwAAAAAAAOA/AAAAAAAA4D8AAAAAAADgPwAAAAAAAOA/AAAAAAAA4D8CAAAAjAAAAAAAAAAAAAAAu+DjDP///wgAAAAAAAAAAAAAAAAAAAAAAAAAAAAAAAAAAAAAZAAAAAEAAABAAAAAAAAAAAAAAAAAAAAAAAAAAAAAAAAAAAAAAAAAAAAAAAAAAAAAAAAAAAAAAAAAAAAAAAAAAAAAAAAAAAAAAAAAAAAAAAAAAAAAAAAAAAAAAAAAAAAAFAAAADwAAAABAAAAAAAAAFVVVQBQAAAAAQAAAAQAAAAAAAAAAAAAAAAAAAAAAAAAZAAAAGQAAAACAAAAZAAAAGQAAAAVAAAAYAAAAAAAAAAAAAAADwAAACADAAAAAAAAAAAAAAEAAACgMgAAAAAAAAAAAAABAAAAf39/AAEAAABkAAAAAAAAABQAAABAHwAAAAAAACYAAAAAAAAAwOD//wAAAAAmAAAAZAAAABYAAABMAAAAAAAAAAAAAAAEAAAAAAAAAAEAAACAgIAKAAAAACgAAAAoAAAAZAAAAGQAAAAAAAAAzMzMAAAAAABQAAAAUAAAAGQAAABkAAAAAAAAABcAAAAUAAAAAAAAAAAAAAD/fwAA/38AAAAAAAAJAAAABAAAADMzOTkMAAAAEAAAAAAAAAAAAAAAAAAAAAAAAAAeAAAAaAAAAAAAAAAAAAAAAAAAAAAAAAAAAAAAECcAABAnAAAAAAAAAAAAAAAAAAAAAAAAAAAAAAAAAAAAAAAAAAAAABQAAAAAAAAAwMD/AAAAAABkAAAAMgAAAAAAAABkAAAAAAAAAH9/fwAKAAAAHwAAAFQAAAC74OMF////AQAAAAAAAAAAAAAAAAAAAAAAAAAAAAAAAAAAAAAAAAAAVVVVAH9/fwCAgIADzMzMAMDA/wB/f38AAAAAAAAAAAAAAAAAAAAAAAAAAAAhAAAAGAAAABQAAAA3HAAAjBkAADkcAAAyHAAAEAAAACYAAAAIAAAA//////////8="/>
               </a:ext>
             </a:extLst>
           </p:cNvSpPr>
@@ -6829,7 +6829,7 @@
           <p:cNvSpPr>
             <a:extLst>
               <a:ext uri="smNativeData">
-                <pr:smNativeData xmlns:pr="smNativeData" val="SMDATA_13_IrKAXRMAAAAlAAAACgAAAA8BAAAAkAAAAEgAAACQAAAASAAAAAAAAAAAAAAAAAAAAAEAAABQAAAAAAAAAAAA4D8AAAAAAADgPwAAAAAAAOA/AAAAAAAA4D8AAAAAAADgPwAAAAAAAOA/AAAAAAAA4D8AAAAAAADgPwAAAAAAAOA/AAAAAAAA4D8CAAAAjAAAAAAAAAAAAAAAu+DjDP///wgAAAAAAAAAAAAAAAAAAAAAAAAAAAAAAAAAAAAAZAAAAAEAAABAAAAAAAAAAAAAAAAAAAAAAAAAAAAAAAAAAAAAAAAAAAAAAAAAAAAAAAAAAAAAAAAAAAAAAAAAAAAAAAAAAAAAAAAAAAAAAAAAAAAAAAAAAAAAAAAAAAAAFAAAADwAAAABAAAAAAAAAFVVVQBQAAAAAQAAAAQAAAAAAAAAAAAAAAAAAAAAAAAAZAAAAGQAAAACAAAAZAAAAGQAAAAVAAAAYAAAAAAAAAAAAAAADwAAACADAAAAAAAAAAAAAAEAAACgMgAAAAAAAAAAAAABAAAAf39/AAEAAABkAAAAAAAAABQAAABAHwAAAAAAACYAAAAAAAAAwOD//wAAAAAmAAAAZAAAABYAAABMAAAAAAAAAAAAAAAEAAAAAAAAAAEAAACAgIAKAAAAACgAAAAoAAAAZAAAAGQAAAAAAAAAzMzMAAAAAABQAAAAUAAAAGQAAABkAAAAAAAAABcAAAAUAAAAAAAAAAAAAAD/fwAA/38AAAAAAAAJAAAABAAAAAIAAAAMAAAAEAAAAAAAAAAAAAAAAAAAAAAAAAAeAAAAaAAAAAAAAAAAAAAAAAAAAAAAAAAAAAAAECcAABAnAAAAAAAAAAAAAAAAAAAAAAAAAAAAAAAAAAAAAAAAAAAAABQAAAAAAAAAwMD/AAAAAABkAAAAMgAAAAAAAABkAAAAAAAAAH9/fwAKAAAAHwAAAFQAAAC74OMF////AQAAAAAAAAAAAAAAAAAAAAAAAAAAAAAAAAAAAAAAAAAAVVVVAH9/fwCAgIADzMzMAMDA/wB/f38AAAAAAAAAAAAAAAAAAAAAAAAAAAAhAAAAGAAAABQAAAAfHAAAcBIAACEcAAAYFAAAEAAAACYAAAAIAAAA//////////8="/>
+                <pr:smNativeData xmlns:pr="smNativeData" val="SMDATA_13_gcGAXRMAAAAlAAAACgAAAA8BAAAAkAAAAEgAAACQAAAASAAAAAAAAAAAAAAAAAAAAAEAAABQAAAAAAAAAAAA4D8AAAAAAADgPwAAAAAAAOA/AAAAAAAA4D8AAAAAAADgPwAAAAAAAOA/AAAAAAAA4D8AAAAAAADgPwAAAAAAAOA/AAAAAAAA4D8CAAAAjAAAAAAAAAAAAAAAu+DjDP///wgAAAAAAAAAAAAAAAAAAAAAAAAAAAAAAAAAAAAAZAAAAAEAAABAAAAAAAAAAAAAAAAAAAAAAAAAAAAAAAAAAAAAAAAAAAAAAAAAAAAAAAAAAAAAAAAAAAAAAAAAAAAAAAAAAAAAAAAAAAAAAAAAAAAAAAAAAAAAAAAAAAAAFAAAADwAAAABAAAAAAAAAFVVVQBQAAAAAQAAAAQAAAAAAAAAAAAAAAAAAAAAAAAAZAAAAGQAAAACAAAAZAAAAGQAAAAVAAAAYAAAAAAAAAAAAAAADwAAACADAAAAAAAAAAAAAAEAAACgMgAAAAAAAAAAAAABAAAAf39/AAEAAABkAAAAAAAAABQAAABAHwAAAAAAACYAAAAAAAAAwOD//wAAAAAmAAAAZAAAABYAAABMAAAAAAAAAAAAAAAEAAAAAAAAAAEAAACAgIAKAAAAACgAAAAoAAAAZAAAAGQAAAAAAAAAzMzMAAAAAABQAAAAUAAAAGQAAABkAAAAAAAAABcAAAAUAAAAAAAAAAAAAAD/fwAA/38AAAAAAAAJAAAABAAAAAIAAAAMAAAAEAAAAAAAAAAAAAAAAAAAAAAAAAAeAAAAaAAAAAAAAAAAAAAAAAAAAAAAAAAAAAAAECcAABAnAAAAAAAAAAAAAAAAAAAAAAAAAAAAAAAAAAAAAAAAAAAAABQAAAAAAAAAwMD/AAAAAABkAAAAMgAAAAAAAABkAAAAAAAAAH9/fwAKAAAAHwAAAFQAAAC74OMF////AQAAAAAAAAAAAAAAAAAAAAAAAAAAAAAAAAAAAAAAAAAAVVVVAH9/fwCAgIADzMzMAMDA/wB/f38AAAAAAAAAAAAAAAAAAAAAAAAAAAAhAAAAGAAAABQAAAAfHAAAcBIAACEcAAAYFAAAEAAAACYAAAAIAAAA//////////8="/>
               </a:ext>
             </a:extLst>
           </p:cNvSpPr>
@@ -6861,7 +6861,7 @@
           <p:cNvSpPr>
             <a:extLst>
               <a:ext uri="smNativeData">
-                <pr:smNativeData xmlns:pr="smNativeData" val="SMDATA_13_IrKAXRMAAAAlAAAAZAAAAA8BAAAAkAAAAEgAAACQAAAASAAAAAAAAAABAAAAAAAAAAEAAABQAAAAAAAAAAAA4D8AAAAAAADgPwAAAAAAAOA/AAAAAAAA4D8AAAAAAADgPwAAAAAAAOA/AAAAAAAA4D8AAAAAAADgPwAAAAAAAOA/AAAAAAAA4D8CAAAAjAAAAAAAAAAAAAAAu+DjDP///wgAAAAAAAAAAAAAAAAAAAAAAAAAAAAAAAAAAAAAZAAAAAEAAABAAAAAAAAAAAAAAAAAAAAAAAAAAAAAAAAAAAAAAAAAAAAAAAAAAAAAAAAAAAAAAAAAAAAAAAAAAAAAAAAAAAAAAAAAAAAAAAAAAAAAAAAAAAAAAAAAAAAAFAAAADwAAAAAAAAAAAAAAAAAAAkUAAAAAQAAABQAAAAUAAAAFAAAAAEAAAAAAAAAZAAAAGQAAAAAAAAAZAAAAGQAAAAVAAAAYAAAAAAAAAAAAAAADwAAACADAAAAAAAAAAAAAAEAAACgMgAAVgcAAKr4//8BAAAAf39/AAEAAABkAAAAAAAAABQAAABAHwAAAAAAACYAAAAAAAAAwOD//wAAAAAmAAAAZAAAABYAAABMAAAAAAAAAAAAAAAEAAAAAAAAAAEAAACAgIAKAAAAACgAAAAoAAAAZAAAAGQAAAAAAAAAzMzMAAAAAABQAAAAUAAAAGQAAABkAAAAAAAAABcAAAAUAAAAAAAAAAAAAAD/fwAA/38AAAAAAAAJAAAABAAAADA1OTcMAAAAEAAAAAAAAAAAAAAAAAAAAAAAAAAeAAAAaAAAAAAAAAAAAAAAAAAAAAAAAAAAAAAAECcAABAnAAAAAAAAAAAAAAAAAAAAAAAAAAAAAAAAAAAAAAAAAAAAABQAAAAAAAAAwMD/AAAAAABkAAAAMgAAAAAAAABkAAAAAAAAAH9/fwAKAAAAHwAAAFQAAAC74OMF////AQAAAAAAAAAAAAAAAAAAAAAAAAAAAAAAAAAAAAAAAAAAAAAAAn9/fwCAgIADzMzMAMDA/wB/f38AAAAAAAAAAAAAAAAAAAAAAAAAAAAhAAAAGAAAABQAAABqBAAAiAMAABY0AAAoBwAAEAAAACYAAAAIAAAA//////////8="/>
+                <pr:smNativeData xmlns:pr="smNativeData" val="SMDATA_13_gcGAXRMAAAAlAAAAZAAAAA8BAAAAkAAAAEgAAACQAAAASAAAAAAAAAABAAAAAAAAAAEAAABQAAAAAAAAAAAA4D8AAAAAAADgPwAAAAAAAOA/AAAAAAAA4D8AAAAAAADgPwAAAAAAAOA/AAAAAAAA4D8AAAAAAADgPwAAAAAAAOA/AAAAAAAA4D8CAAAAjAAAAAAAAAAAAAAAu+DjDP///wgAAAAAAAAAAAAAAAAAAAAAAAAAAAAAAAAAAAAAZAAAAAEAAABAAAAAAAAAAAAAAAAAAAAAAAAAAAAAAAAAAAAAAAAAAAAAAAAAAAAAAAAAAAAAAAAAAAAAAAAAAAAAAAAAAAAAAAAAAAAAAAAAAAAAAAAAAAAAAAAAAAAAFAAAADwAAAAAAAAAAAAAAAAAAAkUAAAAAQAAABQAAAAUAAAAFAAAAAEAAAAAAAAAZAAAAGQAAAAAAAAAZAAAAGQAAAAVAAAAYAAAAAAAAAAAAAAADwAAACADAAAAAAAAAAAAAAEAAACgMgAAVgcAAKr4//8BAAAAf39/AAEAAABkAAAAAAAAABQAAABAHwAAAAAAACYAAAAAAAAAwOD//wAAAAAmAAAAZAAAABYAAABMAAAAAAAAAAAAAAAEAAAAAAAAAAEAAACAgIAKAAAAACgAAAAoAAAAZAAAAGQAAAAAAAAAzMzMAAAAAABQAAAAUAAAAGQAAABkAAAAAAAAABcAAAAUAAAAAAAAAAAAAAD/fwAA/38AAAAAAAAJAAAABAAAADA1OTcMAAAAEAAAAAAAAAAAAAAAAAAAAAAAAAAeAAAAaAAAAAAAAAAAAAAAAAAAAAAAAAAAAAAAECcAABAnAAAAAAAAAAAAAAAAAAAAAAAAAAAAAAAAAAAAAAAAAAAAABQAAAAAAAAAwMD/AAAAAABkAAAAMgAAAAAAAABkAAAAAAAAAH9/fwAKAAAAHwAAAFQAAAC74OMF////AQAAAAAAAAAAAAAAAAAAAAAAAAAAAAAAAAAAAAAAAAAAAAAAAn9/fwCAgIADzMzMAMDA/wB/f38AAAAAAAAAAAAAAAAAAAAAAAAAAAAhAAAAGAAAABQAAABqBAAAiAMAABY0AAAoBwAAEAAAACYAAAAIAAAA//////////8="/>
               </a:ext>
             </a:extLst>
           </p:cNvSpPr>
@@ -6907,7 +6907,7 @@
           <p:cNvSpPr>
             <a:extLst>
               <a:ext uri="smNativeData">
-                <pr:smNativeData xmlns:pr="smNativeData" val="SMDATA_13_IrKAXRMAAAAlAAAAZAAAAA8BAAAAkAAAAEgAAACQAAAASAAAAAAAAAAAAAAAAAAAAAEAAABQAAAAAAAAAAAA4D8AAAAAAADgPwAAAAAAAOA/AAAAAAAA4D8AAAAAAADgPwAAAAAAAOA/AAAAAAAA4D8AAAAAAADgPwAAAAAAAOA/AAAAAAAA4D8CAAAAjAAAAAAAAAAAAAAAu+DjDP///wgAAAAAAAAAAAAAAAAAAAAAAAAAAAAAAAAAAAAAZAAAAAEAAABAAAAAAAAAAAAAAAAAAAAAAAAAAAAAAAAAAAAAAAAAAAAAAAAAAAAAAAAAAAAAAAAAAAAAAAAAAAAAAAAAAAAAAAAAAAAAAAAAAAAAAAAAAAAAAAAAAAAAFAAAADwAAAABAAAAAAAAAB4eHgB4AAAAAQAAAAYAAAAAAAAAAAAAAAAAAAAAAAAAZAAAAGQAAAAAAAAAZAAAAGQAAAAVAAAAYAAAAAAAAAAAAAAADwAAACADAAAAAAAAAAAAAAEAAACgMgAAAAAAAAAAAAABAAAAf39/AAEAAABkAAAAAAAAABQAAABAHwAAAAAAACYAAAAAAAAAwOD//wAAAAAmAAAAZAAAABYAAABMAAAAAAAAAAAAAAAEAAAAAAAAAAEAAACAgIAKAAAAACgAAAAoAAAAZAAAAGQAAAAAAAAAzMzMAAAAAABQAAAAUAAAAGQAAABkAAAAAAAAABcAAAAUAAAAAAAAAAAAAAD/fwAA/38AAAAAAAAJAAAABAAAAAAAAAAMAAAAEAAAAAAAAAAAAAAAAAAAAAAAAAAeAAAAaAAAAAAAAAAAAAAAAAAAAAAAAAAAAAAAECcAABAnAAAAAAAAAAAAAAAAAAAAAAAAAAAAAAAAAAAAAAAAPAAAABQAAAAoAAAAHh4eAAAAAABkAAAAMgAAAAAAAABkAAAAAAAAAH9/fwAKAAAAHwAAAFQAAAC74OMF////AQAAAAAAAAAAAAAAAAAAAAAAAAAAAAAAAAAAAAAAAAAAHh4eAH9/fwCAgIADzMzMAB4eHgB/f38AAAAAAAAAAAAAAAAAAAAAAAAAAAAhAAAAGAAAABQAAADMGQAADQoAAKceAADoDgAAEAAAACYAAAAIAAAA//////////8="/>
+                <pr:smNativeData xmlns:pr="smNativeData" val="SMDATA_13_gcGAXRMAAAAlAAAAZAAAAA8BAAAAkAAAAEgAAACQAAAASAAAAAAAAAAAAAAAAAAAAAEAAABQAAAAAAAAAAAA4D8AAAAAAADgPwAAAAAAAOA/AAAAAAAA4D8AAAAAAADgPwAAAAAAAOA/AAAAAAAA4D8AAAAAAADgPwAAAAAAAOA/AAAAAAAA4D8CAAAAjAAAAAAAAAAAAAAAu+DjDP///wgAAAAAAAAAAAAAAAAAAAAAAAAAAAAAAAAAAAAAZAAAAAEAAABAAAAAAAAAAAAAAAAAAAAAAAAAAAAAAAAAAAAAAAAAAAAAAAAAAAAAAAAAAAAAAAAAAAAAAAAAAAAAAAAAAAAAAAAAAAAAAAAAAAAAAAAAAAAAAAAAAAAAFAAAADwAAAABAAAAAAAAAB4eHgB4AAAAAQAAAAYAAAAAAAAAAAAAAAAAAAAAAAAAZAAAAGQAAAAAAAAAZAAAAGQAAAAVAAAAYAAAAAAAAAAAAAAADwAAACADAAAAAAAAAAAAAAEAAACgMgAAAAAAAAAAAAABAAAAf39/AAEAAABkAAAAAAAAABQAAABAHwAAAAAAACYAAAAAAAAAwOD//wAAAAAmAAAAZAAAABYAAABMAAAAAAAAAAAAAAAEAAAAAAAAAAEAAACAgIAKAAAAACgAAAAoAAAAZAAAAGQAAAAAAAAAzMzMAAAAAABQAAAAUAAAAGQAAABkAAAAAAAAABcAAAAUAAAAAAAAAAAAAAD/fwAA/38AAAAAAAAJAAAABAAAAAAAAAAMAAAAEAAAAAAAAAAAAAAAAAAAAAAAAAAeAAAAaAAAAAAAAAAAAAAAAAAAAAAAAAAAAAAAECcAABAnAAAAAAAAAAAAAAAAAAAAAAAAAAAAAAAAAAAAAAAAPAAAABQAAAAoAAAAHh4eAAAAAABkAAAAMgAAAAAAAABkAAAAAAAAAH9/fwAKAAAAHwAAAFQAAAC74OMF////AQAAAAAAAAAAAAAAAAAAAAAAAAAAAAAAAAAAAAAAAAAAHh4eAH9/fwCAgIADzMzMAB4eHgB/f38AAAAAAAAAAAAAAAAAAAAAAAAAAAAhAAAAGAAAABQAAADMGQAADQoAAKceAADoDgAAEAAAACYAAAAIAAAA//////////8="/>
               </a:ext>
             </a:extLst>
           </p:cNvSpPr>
@@ -6946,7 +6946,7 @@
           <p:cNvSpPr>
             <a:extLst>
               <a:ext uri="smNativeData">
-                <pr:smNativeData xmlns:pr="smNativeData" val="SMDATA_13_IrKAXRMAAAAlAAAAZAAAAA8BAAAAkAAAAEgAAACQAAAASAAAAAAAAAAAAAAAAAAAAAEAAABQAAAAAAAAAAAA4D8AAAAAAADgPwAAAAAAAOA/AAAAAAAA4D8AAAAAAADgPwAAAAAAAOA/AAAAAAAA4D8AAAAAAADgPwAAAAAAAOA/AAAAAAAA4D8CAAAAjAAAAAAAAAAAAAAAu+DjDP///wgAAAAAAAAAAAAAAAAAAAAAAAAAAAAAAAAAAAAAZAAAAAEAAABAAAAAAAAAAAAAAAAAAAAAAAAAAAAAAAAAAAAAAAAAAAAAAAAAAAAAAAAAAAAAAAAAAAAAAAAAAAAAAAAAAAAAAAAAAAAAAAAAAAAAAAAAAAAAAAAAAAAAFAAAADwAAAABAAAAAAAAAB4eHgB4AAAAAQAAAAYAAAAAAAAAAAAAAAAAAAAAAAAAZAAAAGQAAAAAAAAAZAAAAGQAAAAVAAAAYAAAAAAAAAAAAAAADwAAACADAAAAAAAAAAAAAAEAAACgMgAAAAAAAAAAAAABAAAAf39/AAEAAABkAAAAAAAAABQAAABAHwAAAAAAACYAAAAAAAAAwOD//wAAAAAmAAAAZAAAABYAAABMAAAAAAAAAAAAAAAEAAAAAAAAAAEAAACAgIAKAAAAACgAAAAoAAAAZAAAAGQAAAAAAAAAzMzMAAAAAABQAAAAUAAAAGQAAABkAAAAAAAAABcAAAAUAAAAAAAAAAAAAAD/fwAA/38AAAAAAAAJAAAABAAAAEM3QjcMAAAAEAAAAAAAAAAAAAAAAAAAAAAAAAAeAAAAaAAAAAAAAAAAAAAAAAAAAAAAAAAAAAAAECcAABAnAAAAAAAAAAAAAAAAAAAAAAAAAAAAAAAAAAAAAAAAPAAAABQAAAAoAAAAHh4eAAAAAABkAAAAMgAAAAAAAABkAAAAAAAAAH9/fwAKAAAAHwAAAFQAAAC74OMF////AQAAAAAAAAAAAAAAAAAAAAAAAAAAAAAAAAAAAAAAAAAAHh4eAH9/fwCAgIADzMzMAB4eHgB/f38AAAAAAAAAAAAAAAAAAAAAAAAAAAAhAAAAGAAAABQAAADMGQAApRQAAKceAACAGQAAEAAAACYAAAAIAAAA//////////8="/>
+                <pr:smNativeData xmlns:pr="smNativeData" val="SMDATA_13_gcGAXRMAAAAlAAAAZAAAAA8BAAAAkAAAAEgAAACQAAAASAAAAAAAAAAAAAAAAAAAAAEAAABQAAAAAAAAAAAA4D8AAAAAAADgPwAAAAAAAOA/AAAAAAAA4D8AAAAAAADgPwAAAAAAAOA/AAAAAAAA4D8AAAAAAADgPwAAAAAAAOA/AAAAAAAA4D8CAAAAjAAAAAAAAAAAAAAAu+DjDP///wgAAAAAAAAAAAAAAAAAAAAAAAAAAAAAAAAAAAAAZAAAAAEAAABAAAAAAAAAAAAAAAAAAAAAAAAAAAAAAAAAAAAAAAAAAAAAAAAAAAAAAAAAAAAAAAAAAAAAAAAAAAAAAAAAAAAAAAAAAAAAAAAAAAAAAAAAAAAAAAAAAAAAFAAAADwAAAABAAAAAAAAAB4eHgB4AAAAAQAAAAYAAAAAAAAAAAAAAAAAAAAAAAAAZAAAAGQAAAAAAAAAZAAAAGQAAAAVAAAAYAAAAAAAAAAAAAAADwAAACADAAAAAAAAAAAAAAEAAACgMgAAAAAAAAAAAAABAAAAf39/AAEAAABkAAAAAAAAABQAAABAHwAAAAAAACYAAAAAAAAAwOD//wAAAAAmAAAAZAAAABYAAABMAAAAAAAAAAAAAAAEAAAAAAAAAAEAAACAgIAKAAAAACgAAAAoAAAAZAAAAGQAAAAAAAAAzMzMAAAAAABQAAAAUAAAAGQAAABkAAAAAAAAABcAAAAUAAAAAAAAAAAAAAD/fwAA/38AAAAAAAAJAAAABAAAAEM3QjcMAAAAEAAAAAAAAAAAAAAAAAAAAAAAAAAeAAAAaAAAAAAAAAAAAAAAAAAAAAAAAAAAAAAAECcAABAnAAAAAAAAAAAAAAAAAAAAAAAAAAAAAAAAAAAAAAAAPAAAABQAAAAoAAAAHh4eAAAAAABkAAAAMgAAAAAAAABkAAAAAAAAAH9/fwAKAAAAHwAAAFQAAAC74OMF////AQAAAAAAAAAAAAAAAAAAAAAAAAAAAAAAAAAAAAAAAAAAHh4eAH9/fwCAgIADzMzMAB4eHgB/f38AAAAAAAAAAAAAAAAAAAAAAAAAAAAhAAAAGAAAABQAAADMGQAApRQAAKceAACAGQAAEAAAACYAAAAIAAAA//////////8="/>
               </a:ext>
             </a:extLst>
           </p:cNvSpPr>
@@ -6985,7 +6985,7 @@
           <p:cNvSpPr>
             <a:extLst>
               <a:ext uri="smNativeData">
-                <pr:smNativeData xmlns:pr="smNativeData" val="SMDATA_13_IrKAXRMAAAAlAAAAZAAAAA8BAAAAkAAAAEgAAACQAAAASAAAAAAAAAAAAAAAAAAAAAEAAABQAAAAAAAAAAAA4D8AAAAAAADgPwAAAAAAAOA/AAAAAAAA4D8AAAAAAADgPwAAAAAAAOA/AAAAAAAA4D8AAAAAAADgPwAAAAAAAOA/AAAAAAAA4D8CAAAAjAAAAAAAAAAAAAAAu+DjDP///wgAAAAAAAAAAAAAAAAAAAAAAAAAAAAAAAAAAAAAZAAAAAEAAABAAAAAAAAAAAAAAAAAAAAAAAAAAAAAAAAAAAAAAAAAAAAAAAAAAAAAAAAAAAAAAAAAAAAAAAAAAAAAAAAAAAAAAAAAAAAAAAAAAAAAAAAAAAAAAAAAAAAAFAAAADwAAAABAAAAAAAAAB4eHgB4AAAAAQAAAAYAAAAAAAAAAAAAAAAAAAAAAAAAZAAAAGQAAAAAAAAAZAAAAGQAAAAVAAAAYAAAAAAAAAAAAAAADwAAACADAAAAAAAAAAAAAAEAAACgMgAAAAAAAAAAAAABAAAAf39/AAEAAABkAAAAAAAAABQAAABAHwAAAAAAACYAAAAAAAAAwOD//wAAAAAmAAAAZAAAABYAAABMAAAAAAAAAAAAAAAEAAAAAAAAAAEAAACAgIAKAAAAACgAAAAoAAAAZAAAAGQAAAAAAAAAzMzMAAAAAABQAAAAUAAAAGQAAABkAAAAAAAAABcAAAAUAAAAAAAAAAAAAAD/fwAA/38AAAAAAAAJAAAABAAAAAAAAAAMAAAAEAAAAAAAAAAAAAAAAAAAAAAAAAAeAAAAaAAAAAAAAAAAAAAAAAAAAAAAAAAAAAAAECcAABAnAAAAAAAAAAAAAAAAAAAAAAAAAAAAAAAAAAAAAAAAPAAAABQAAAAoAAAAHh4eAAAAAABkAAAAMgAAAAAAAABkAAAAAAAAAH9/fwAKAAAAHwAAAFQAAAC74OMF////AQAAAAAAAAAAAAAAAAAAAAAAAAAAAAAAAAAAAAAAAAAAHh4eAH9/fwCAgIADzMzMAB4eHgB/f38AAAAAAAAAAAAAAAAAAAAAAAAAAAAhAAAAGAAAABQAAADMGQAAZRwAAKceAABAIQAAEAAAACYAAAAIAAAA//////////8="/>
+                <pr:smNativeData xmlns:pr="smNativeData" val="SMDATA_13_gcGAXRMAAAAlAAAAZAAAAA8BAAAAkAAAAEgAAACQAAAASAAAAAAAAAAAAAAAAAAAAAEAAABQAAAAAAAAAAAA4D8AAAAAAADgPwAAAAAAAOA/AAAAAAAA4D8AAAAAAADgPwAAAAAAAOA/AAAAAAAA4D8AAAAAAADgPwAAAAAAAOA/AAAAAAAA4D8CAAAAjAAAAAAAAAAAAAAAu+DjDP///wgAAAAAAAAAAAAAAAAAAAAAAAAAAAAAAAAAAAAAZAAAAAEAAABAAAAAAAAAAAAAAAAAAAAAAAAAAAAAAAAAAAAAAAAAAAAAAAAAAAAAAAAAAAAAAAAAAAAAAAAAAAAAAAAAAAAAAAAAAAAAAAAAAAAAAAAAAAAAAAAAAAAAFAAAADwAAAABAAAAAAAAAB4eHgB4AAAAAQAAAAYAAAAAAAAAAAAAAAAAAAAAAAAAZAAAAGQAAAAAAAAAZAAAAGQAAAAVAAAAYAAAAAAAAAAAAAAADwAAACADAAAAAAAAAAAAAAEAAACgMgAAAAAAAAAAAAABAAAAf39/AAEAAABkAAAAAAAAABQAAABAHwAAAAAAACYAAAAAAAAAwOD//wAAAAAmAAAAZAAAABYAAABMAAAAAAAAAAAAAAAEAAAAAAAAAAEAAACAgIAKAAAAACgAAAAoAAAAZAAAAGQAAAAAAAAAzMzMAAAAAABQAAAAUAAAAGQAAABkAAAAAAAAABcAAAAUAAAAAAAAAAAAAAD/fwAA/38AAAAAAAAJAAAABAAAAAAAAAAMAAAAEAAAAAAAAAAAAAAAAAAAAAAAAAAeAAAAaAAAAAAAAAAAAAAAAAAAAAAAAAAAAAAAECcAABAnAAAAAAAAAAAAAAAAAAAAAAAAAAAAAAAAAAAAAAAAPAAAABQAAAAoAAAAHh4eAAAAAABkAAAAMgAAAAAAAABkAAAAAAAAAH9/fwAKAAAAHwAAAFQAAAC74OMF////AQAAAAAAAAAAAAAAAAAAAAAAAAAAAAAAAAAAAAAAAAAAHh4eAH9/fwCAgIADzMzMAB4eHgB/f38AAAAAAAAAAAAAAAAAAAAAAAAAAAAhAAAAGAAAABQAAADMGQAAZRwAAKceAABAIQAAEAAAACYAAAAIAAAA//////////8="/>
               </a:ext>
             </a:extLst>
           </p:cNvSpPr>
@@ -7024,7 +7024,7 @@
           <p:cNvSpPr>
             <a:extLst>
               <a:ext uri="smNativeData">
-                <pr:smNativeData xmlns:pr="smNativeData" val="SMDATA_13_IrKAXRMAAAAlAAAAZAAAAA8BAAAAkAAAAEgAAACQAAAASAAAAAAAAAAAAAAAAAAAAAEAAABQAAAAAAAAAAAA4D8AAAAAAADgPwAAAAAAAOA/AAAAAAAA4D8AAAAAAADgPwAAAAAAAOA/AAAAAAAA4D8AAAAAAADgPwAAAAAAAOA/AAAAAAAA4D8CAAAAjAAAAAAAAAAAAAAAu+DjDP///wgAAAAAAAAAAAAAAAAAAAAAAAAAAAAAAAAAAAAAZAAAAAEAAABAAAAAAAAAAAAAAAAAAAAAAAAAAAAAAAAAAAAAAAAAAAAAAAAAAAAAAAAAAAAAAAAAAAAAAAAAAAAAAAAAAAAAAAAAAAAAAAAAAAAAAAAAAAAAAAAAAAAAFAAAADwAAAABAAAAAAAAAB4eHgB4AAAAAQAAAAYAAAAAAAAAAAAAAAAAAAAAAAAAZAAAAGQAAAAAAAAAZAAAAGQAAAAVAAAAYAAAAAAAAAAAAAAADwAAACADAAAAAAAAAAAAAAEAAACgMgAAAAAAAAAAAAABAAAAf39/AAEAAABkAAAAAAAAABQAAABAHwAAAAAAACYAAAAAAAAAwOD//wAAAAAmAAAAZAAAABYAAABMAAAAAAAAAAAAAAAEAAAAAAAAAAEAAACAgIAKAAAAACgAAAAoAAAAZAAAAGQAAAAAAAAAzMzMAAAAAABQAAAAUAAAAGQAAABkAAAAAAAAABcAAAAUAAAAAAAAAAAAAAD/fwAA/38AAAAAAAAJAAAABAAAAAAAAAAMAAAAEAAAAAAAAAAAAAAAAAAAAAAAAAAeAAAAaAAAAAAAAAAAAAAAAAAAAAAAAAAAAAAAECcAABAnAAAAAAAAAAAAAAAAAAAAAAAAAAAAAAAAAAAAAAAAPAAAABQAAAAoAAAAHh4eAAAAAABkAAAAMgAAAAAAAABkAAAAAAAAAH9/fwAKAAAAHwAAAFQAAAC74OMF////AQAAAAAAAAAAAAAAAAAAAAAAAAAAAAAAAAAAAAAAAAAAHh4eAH9/fwCAgIADzMzMAB4eHgB/f38AAAAAAAAAAAAAAAAAAAAAAAAAAAAhAAAAGAAAABQAAAA3DAAAGCQAABIRAADzKAAAEAAAACYAAAAIAAAA//////////8="/>
+                <pr:smNativeData xmlns:pr="smNativeData" val="SMDATA_13_gcGAXRMAAAAlAAAAZAAAAA8BAAAAkAAAAEgAAACQAAAASAAAAAAAAAAAAAAAAAAAAAEAAABQAAAAAAAAAAAA4D8AAAAAAADgPwAAAAAAAOA/AAAAAAAA4D8AAAAAAADgPwAAAAAAAOA/AAAAAAAA4D8AAAAAAADgPwAAAAAAAOA/AAAAAAAA4D8CAAAAjAAAAAAAAAAAAAAAu+DjDP///wgAAAAAAAAAAAAAAAAAAAAAAAAAAAAAAAAAAAAAZAAAAAEAAABAAAAAAAAAAAAAAAAAAAAAAAAAAAAAAAAAAAAAAAAAAAAAAAAAAAAAAAAAAAAAAAAAAAAAAAAAAAAAAAAAAAAAAAAAAAAAAAAAAAAAAAAAAAAAAAAAAAAAFAAAADwAAAABAAAAAAAAAB4eHgB4AAAAAQAAAAYAAAAAAAAAAAAAAAAAAAAAAAAAZAAAAGQAAAAAAAAAZAAAAGQAAAAVAAAAYAAAAAAAAAAAAAAADwAAACADAAAAAAAAAAAAAAEAAACgMgAAAAAAAAAAAAABAAAAf39/AAEAAABkAAAAAAAAABQAAABAHwAAAAAAACYAAAAAAAAAwOD//wAAAAAmAAAAZAAAABYAAABMAAAAAAAAAAAAAAAEAAAAAAAAAAEAAACAgIAKAAAAACgAAAAoAAAAZAAAAGQAAAAAAAAAzMzMAAAAAABQAAAAUAAAAGQAAABkAAAAAAAAABcAAAAUAAAAAAAAAAAAAAD/fwAA/38AAAAAAAAJAAAABAAAAAAAAAAMAAAAEAAAAAAAAAAAAAAAAAAAAAAAAAAeAAAAaAAAAAAAAAAAAAAAAAAAAAAAAAAAAAAAECcAABAnAAAAAAAAAAAAAAAAAAAAAAAAAAAAAAAAAAAAAAAAPAAAABQAAAAoAAAAHh4eAAAAAABkAAAAMgAAAAAAAABkAAAAAAAAAH9/fwAKAAAAHwAAAFQAAAC74OMF////AQAAAAAAAAAAAAAAAAAAAAAAAAAAAAAAAAAAAAAAAAAAHh4eAH9/fwCAgIADzMzMAB4eHgB/f38AAAAAAAAAAAAAAAAAAAAAAAAAAAAhAAAAGAAAABQAAAA3DAAAGCQAABIRAADzKAAAEAAAACYAAAAIAAAA//////////8="/>
               </a:ext>
             </a:extLst>
           </p:cNvSpPr>
@@ -7063,7 +7063,7 @@
           <p:cNvSpPr>
             <a:extLst>
               <a:ext uri="smNativeData">
-                <pr:smNativeData xmlns:pr="smNativeData" val="SMDATA_13_IrKAXRMAAAAlAAAAZAAAAA8BAAAAkAAAAEgAAACQAAAASAAAAAAAAAAAAAAAAAAAAAEAAABQAAAAAAAAAAAA4D8AAAAAAADgPwAAAAAAAOA/AAAAAAAA4D8AAAAAAADgPwAAAAAAAOA/AAAAAAAA4D8AAAAAAADgPwAAAAAAAOA/AAAAAAAA4D8CAAAAjAAAAAAAAAAAAAAAu+DjDP///wgAAAAAAAAAAAAAAAAAAAAAAAAAAAAAAAAAAAAAZAAAAAEAAABAAAAAAAAAAAAAAAAAAAAAAAAAAAAAAAAAAAAAAAAAAAAAAAAAAAAAAAAAAAAAAAAAAAAAAAAAAAAAAAAAAAAAAAAAAAAAAAAAAAAAAAAAAAAAAAAAAAAAFAAAADwAAAABAAAAAAAAAOokQgB4AAAAAQAAAAYAAAAAAAAAAAAAAAAAAAAAAAAAZAAAAGQAAAAAAAAAZAAAAGQAAAAVAAAAYAAAAAAAAAAAAAAADwAAACADAAAAAAAAAAAAAAEAAACgMgAAAAAAAAAAAAABAAAAf39/AAEAAABkAAAAAAAAABQAAABAHwAAAAAAACYAAAAAAAAAwOD//wAAAAAmAAAAZAAAABYAAABMAAAAAAAAAAAAAAAEAAAAAAAAAAEAAACAgIAKAAAAACgAAAAoAAAAZAAAAGQAAAAAAAAAzMzMAAAAAABQAAAAUAAAAGQAAABkAAAAAAAAABcAAAAUAAAAAAAAAAAAAAD/fwAA/38AAAAAAAAJAAAABAAAAAAAAAAMAAAAEAAAAAAAAAAAAAAAAAAAAAAAAAAeAAAAaAAAAAAAAAAAAAAAAAAAAAAAAAAAAAAAECcAABAnAAAAAAAAAAAAAAAAAAAAAAAAAAAAAAAAAAAAAAAAPAAAABQAAAAoAAAA6iRCAAAAAABkAAAAMgAAAAAAAABkAAAAAAAAAH9/fwAKAAAAHwAAAFQAAAC74OMF////AQAAAAAAAAAAAAAAAAAAAAAAAAAAAAAAAAAAAAAAAAAA6iRCAH9/fwCAgIADzMzMAOokQgB/f38AAAAAAAAAAAAAAAAAAAAAAAAAAAAhAAAAGAAAABQAAABYDAAAZRwAADMRAABAIQAAEAAAACYAAAAIAAAA//////////8="/>
+                <pr:smNativeData xmlns:pr="smNativeData" val="SMDATA_13_gcGAXRMAAAAlAAAAZAAAAA8BAAAAkAAAAEgAAACQAAAASAAAAAAAAAAAAAAAAAAAAAEAAABQAAAAAAAAAAAA4D8AAAAAAADgPwAAAAAAAOA/AAAAAAAA4D8AAAAAAADgPwAAAAAAAOA/AAAAAAAA4D8AAAAAAADgPwAAAAAAAOA/AAAAAAAA4D8CAAAAjAAAAAAAAAAAAAAAu+DjDP///wgAAAAAAAAAAAAAAAAAAAAAAAAAAAAAAAAAAAAAZAAAAAEAAABAAAAAAAAAAAAAAAAAAAAAAAAAAAAAAAAAAAAAAAAAAAAAAAAAAAAAAAAAAAAAAAAAAAAAAAAAAAAAAAAAAAAAAAAAAAAAAAAAAAAAAAAAAAAAAAAAAAAAFAAAADwAAAABAAAAAAAAAOokQgB4AAAAAQAAAAYAAAAAAAAAAAAAAAAAAAAAAAAAZAAAAGQAAAAAAAAAZAAAAGQAAAAVAAAAYAAAAAAAAAAAAAAADwAAACADAAAAAAAAAAAAAAEAAACgMgAAAAAAAAAAAAABAAAAf39/AAEAAABkAAAAAAAAABQAAABAHwAAAAAAACYAAAAAAAAAwOD//wAAAAAmAAAAZAAAABYAAABMAAAAAAAAAAAAAAAEAAAAAAAAAAEAAACAgIAKAAAAACgAAAAoAAAAZAAAAGQAAAAAAAAAzMzMAAAAAABQAAAAUAAAAGQAAABkAAAAAAAAABcAAAAUAAAAAAAAAAAAAAD/fwAA/38AAAAAAAAJAAAABAAAAAAAAAAMAAAAEAAAAAAAAAAAAAAAAAAAAAAAAAAeAAAAaAAAAAAAAAAAAAAAAAAAAAAAAAAAAAAAECcAABAnAAAAAAAAAAAAAAAAAAAAAAAAAAAAAAAAAAAAAAAAPAAAABQAAAAoAAAA6iRCAAAAAABkAAAAMgAAAAAAAABkAAAAAAAAAH9/fwAKAAAAHwAAAFQAAAC74OMF////AQAAAAAAAAAAAAAAAAAAAAAAAAAAAAAAAAAAAAAAAAAA6iRCAH9/fwCAgIADzMzMAOokQgB/f38AAAAAAAAAAAAAAAAAAAAAAAAAAAAhAAAAGAAAABQAAABYDAAAZRwAADMRAABAIQAAEAAAACYAAAAIAAAA//////////8="/>
               </a:ext>
             </a:extLst>
           </p:cNvSpPr>
@@ -7102,7 +7102,7 @@
           <p:cNvSpPr>
             <a:extLst>
               <a:ext uri="smNativeData">
-                <pr:smNativeData xmlns:pr="smNativeData" val="SMDATA_13_IrKAXRMAAAAlAAAAZAAAAA8BAAAAkAAAAEgAAACQAAAASAAAAAAAAAAAAAAAAAAAAAEAAABQAAAAAAAAAAAA4D8AAAAAAADgPwAAAAAAAOA/AAAAAAAA4D8AAAAAAADgPwAAAAAAAOA/AAAAAAAA4D8AAAAAAADgPwAAAAAAAOA/AAAAAAAA4D8CAAAAjAAAAAAAAAAAAAAAu+DjDP///wgAAAAAAAAAAAAAAAAAAAAAAAAAAAAAAAAAAAAAZAAAAAEAAABAAAAAAAAAAAAAAAAAAAAAAAAAAAAAAAAAAAAAAAAAAAAAAAAAAAAAAAAAAAAAAAAAAAAAAAAAAAAAAAAAAAAAAAAAAAAAAAAAAAAAAAAAAAAAAAAAAAAAFAAAADwAAAABAAAAAAAAAB4eHgB4AAAAAQAAAAYAAAAAAAAAAAAAAAAAAAAAAAAAZAAAAGQAAAAAAAAAZAAAAGQAAAAVAAAAYAAAAAAAAAAAAAAADwAAACADAAAAAAAAAAAAAAEAAACgMgAAAAAAAAAAAAABAAAAf39/AAEAAABkAAAAAAAAABQAAABAHwAAAAAAACYAAAAAAAAAwOD//wAAAAAmAAAAZAAAABYAAABMAAAAAAAAAAAAAAAEAAAAAAAAAAEAAACAgIAKAAAAACgAAAAoAAAAZAAAAGQAAAAAAAAAzMzMAAAAAABQAAAAUAAAAGQAAABkAAAAAAAAABcAAAAUAAAAAAAAAAAAAAD/fwAA/38AAAAAAAAJAAAABAAAAAAAAAAMAAAAEAAAAAAAAAAAAAAAAAAAAAAAAAAeAAAAaAAAAAAAAAAAAAAAAAAAAAAAAAAAAAAAECcAABAnAAAAAAAAAAAAAAAAAAAAAAAAAAAAAAAAAAAAAAAAPAAAABQAAAAoAAAAHh4eAAAAAABkAAAAMgAAAAAAAABkAAAAAAAAAH9/fwAKAAAAHwAAAFQAAAC74OMF////AQAAAAAAAAAAAAAAAAAAAAAAAAAAAAAAAAAAAAAAAAAAHh4eAH9/fwCAgIADzMzMAB4eHgB/f38AAAAAAAAAAAAAAAAAAAAAAAAAAAAhAAAAGAAAABQAAABcDAAApRQAADcRAACAGQAAEAAAACYAAAAIAAAA//////////8="/>
+                <pr:smNativeData xmlns:pr="smNativeData" val="SMDATA_13_gcGAXRMAAAAlAAAAZAAAAA8BAAAAkAAAAEgAAACQAAAASAAAAAAAAAAAAAAAAAAAAAEAAABQAAAAAAAAAAAA4D8AAAAAAADgPwAAAAAAAOA/AAAAAAAA4D8AAAAAAADgPwAAAAAAAOA/AAAAAAAA4D8AAAAAAADgPwAAAAAAAOA/AAAAAAAA4D8CAAAAjAAAAAAAAAAAAAAAu+DjDP///wgAAAAAAAAAAAAAAAAAAAAAAAAAAAAAAAAAAAAAZAAAAAEAAABAAAAAAAAAAAAAAAAAAAAAAAAAAAAAAAAAAAAAAAAAAAAAAAAAAAAAAAAAAAAAAAAAAAAAAAAAAAAAAAAAAAAAAAAAAAAAAAAAAAAAAAAAAAAAAAAAAAAAFAAAADwAAAABAAAAAAAAAB4eHgB4AAAAAQAAAAYAAAAAAAAAAAAAAAAAAAAAAAAAZAAAAGQAAAAAAAAAZAAAAGQAAAAVAAAAYAAAAAAAAAAAAAAADwAAACADAAAAAAAAAAAAAAEAAACgMgAAAAAAAAAAAAABAAAAf39/AAEAAABkAAAAAAAAABQAAABAHwAAAAAAACYAAAAAAAAAwOD//wAAAAAmAAAAZAAAABYAAABMAAAAAAAAAAAAAAAEAAAAAAAAAAEAAACAgIAKAAAAACgAAAAoAAAAZAAAAGQAAAAAAAAAzMzMAAAAAABQAAAAUAAAAGQAAABkAAAAAAAAABcAAAAUAAAAAAAAAAAAAAD/fwAA/38AAAAAAAAJAAAABAAAAAAAAAAMAAAAEAAAAAAAAAAAAAAAAAAAAAAAAAAeAAAAaAAAAAAAAAAAAAAAAAAAAAAAAAAAAAAAECcAABAnAAAAAAAAAAAAAAAAAAAAAAAAAAAAAAAAAAAAAAAAPAAAABQAAAAoAAAAHh4eAAAAAABkAAAAMgAAAAAAAABkAAAAAAAAAH9/fwAKAAAAHwAAAFQAAAC74OMF////AQAAAAAAAAAAAAAAAAAAAAAAAAAAAAAAAAAAAAAAAAAAHh4eAH9/fwCAgIADzMzMAB4eHgB/f38AAAAAAAAAAAAAAAAAAAAAAAAAAAAhAAAAGAAAABQAAABcDAAApRQAADcRAACAGQAAEAAAACYAAAAIAAAA//////////8="/>
               </a:ext>
             </a:extLst>
           </p:cNvSpPr>
@@ -7141,7 +7141,7 @@
           <p:cNvSpPr>
             <a:extLst>
               <a:ext uri="smNativeData">
-                <pr:smNativeData xmlns:pr="smNativeData" val="SMDATA_13_IrKAXRMAAAAlAAAAZAAAAA8BAAAAkAAAAEgAAACQAAAASAAAAAAAAAAAAAAAAAAAAAEAAABQAAAAAAAAAAAA4D8AAAAAAADgPwAAAAAAAOA/AAAAAAAA4D8AAAAAAADgPwAAAAAAAOA/AAAAAAAA4D8AAAAAAADgPwAAAAAAAOA/AAAAAAAA4D8CAAAAjAAAAAAAAAAAAAAAu+DjDP///wgAAAAAAAAAAAAAAAAAAAAAAAAAAAAAAAAAAAAAZAAAAAEAAABAAAAAAAAAAAAAAAAAAAAAAAAAAAAAAAAAAAAAAAAAAAAAAAAAAAAAAAAAAAAAAAAAAAAAAAAAAAAAAAAAAAAAAAAAAAAAAAAAAAAAAAAAAAAAAAAAAAAAFAAAADwAAAABAAAAAAAAAO9gCgA8AAAAAQAAAAMAAAAAAAAAAAAAAAAAAAAAAAAAZAAAAGQAAAAAAAAAZAAAAGQAAAAVAAAAYAAAAAAAAAAAAAAADwAAACADAAAAAAAAAAAAAAEAAACgMgAAAAAAAAAAAAABAAAAf39/AAEAAABkAAAAAAAAABQAAABAHwAAAAAAACYAAAAAAAAAwOD//wAAAAAmAAAAZAAAABYAAABMAAAAAAAAAAAAAAAEAAAAAAAAAAEAAACAgIAKAAAAACgAAAAoAAAAZAAAAGQAAAAAAAAAzMzMAAAAAABQAAAAUAAAAGQAAABkAAAAAAAAABcAAAAUAAAAAAAAAAAAAAD/fwAA/38AAAAAAAAJAAAABAAAAAAAAAAMAAAAEAAAAAAAAAAAAAAAAAAAAAAAAAAeAAAAaAAAAAAAAAAAAAAAAAAAAAAAAAAAAAAAECcAABAnAAAAAAAAAAAAAAAAAAAAAAAAAAAAAAAAAAAAAAAAPAAAABQAAAAoAAAAHH0cAAAAAABkAAAAMgAAAAAAAABkAAAAAAAAAH9/fwAKAAAAHwAAAFQAAAC74OMF////AQAAAAAAAAAAAAAAAAAAAAAAAAAAAAAAAAAAAAAAAAAA72AKAH9/fwCAgIADzMzMABx9HAB/f38AAAAAAAAAAAAAAAAAAAAAAAAAAAAhAAAAGAAAABQAAAAnCgAAUhMAAGwTAABUIgAAEAAAACYAAAAIAAAA//////////8="/>
+                <pr:smNativeData xmlns:pr="smNativeData" val="SMDATA_13_gcGAXRMAAAAlAAAAZAAAAA8BAAAAkAAAAEgAAACQAAAASAAAAAAAAAAAAAAAAAAAAAEAAABQAAAAAAAAAAAA4D8AAAAAAADgPwAAAAAAAOA/AAAAAAAA4D8AAAAAAADgPwAAAAAAAOA/AAAAAAAA4D8AAAAAAADgPwAAAAAAAOA/AAAAAAAA4D8CAAAAjAAAAAAAAAAAAAAAu+DjDP///wgAAAAAAAAAAAAAAAAAAAAAAAAAAAAAAAAAAAAAZAAAAAEAAABAAAAAAAAAAAAAAAAAAAAAAAAAAAAAAAAAAAAAAAAAAAAAAAAAAAAAAAAAAAAAAAAAAAAAAAAAAAAAAAAAAAAAAAAAAAAAAAAAAAAAAAAAAAAAAAAAAAAAFAAAADwAAAABAAAAAAAAAO9gCgA8AAAAAQAAAAMAAAAAAAAAAAAAAAAAAAAAAAAAZAAAAGQAAAAAAAAAZAAAAGQAAAAVAAAAYAAAAAAAAAAAAAAADwAAACADAAAAAAAAAAAAAAEAAACgMgAAAAAAAAAAAAABAAAAf39/AAEAAABkAAAAAAAAABQAAABAHwAAAAAAACYAAAAAAAAAwOD//wAAAAAmAAAAZAAAABYAAABMAAAAAAAAAAAAAAAEAAAAAAAAAAEAAACAgIAKAAAAACgAAAAoAAAAZAAAAGQAAAAAAAAAzMzMAAAAAABQAAAAUAAAAGQAAABkAAAAAAAAABcAAAAUAAAAAAAAAAAAAAD/fwAA/38AAAAAAAAJAAAABAAAAAAAAAAMAAAAEAAAAAAAAAAAAAAAAAAAAAAAAAAeAAAAaAAAAAAAAAAAAAAAAAAAAAAAAAAAAAAAECcAABAnAAAAAAAAAAAAAAAAAAAAAAAAAAAAAAAAAAAAAAAAPAAAABQAAAAoAAAAHH0cAAAAAABkAAAAMgAAAAAAAABkAAAAAAAAAH9/fwAKAAAAHwAAAFQAAAC74OMF////AQAAAAAAAAAAAAAAAAAAAAAAAAAAAAAAAAAAAAAAAAAA72AKAH9/fwCAgIADzMzMABx9HAB/f38AAAAAAAAAAAAAAAAAAAAAAAAAAAAhAAAAGAAAABQAAAAnCgAAUhMAAGwTAABUIgAAEAAAACYAAAAIAAAA//////////8="/>
               </a:ext>
             </a:extLst>
           </p:cNvSpPr>
@@ -7180,7 +7180,7 @@
           <p:cNvSpPr txBox="1">
             <a:extLst>
               <a:ext uri="smNativeData">
-                <pr:smNativeData xmlns:pr="smNativeData" val="SMDATA_13_IrKAXRMAAAAlAAAAEgAAAE8BAAAAkAAAAEgAAACQAAAASAAAAAAAAAAAAAAAAAAAAAEAAABQAAAAAAAAAAAA4D8AAAAAAADgPwAAAAAAAOA/AAAAAAAA4D8AAAAAAADgPwAAAAAAAOA/AAAAAAAA4D8AAAAAAADgPwAAAAAAAOA/AAAAAAAA4D8CAAAAjAAAAAAAAAAAAAAAu+DjDP///wgAAAAAAAAAAAAAAAAAAAAAAAAAAAAAAAAAAAAAZAAAAAEAAABAAAAAAAAAAAAAAAAAAAAAAAAAAAAAAAAAAAAAAAAAAAAAAAAAAAAAAAAAAAAAAAAAAAAAAAAAAAAAAAAAAAAAAAAAAAAAAAAAAAAAAAAAAAAAAAAAAAAAFAAAADwAAAAAAAAAAAAAAAAAAAkUAAAAAQAAABQAAAAUAAAAFAAAAAEAAAAAAAAAZAAAAGQAAAAAAAAAZAAAAGQAAAAVAAAAYAAAAAAAAAAAAAAADwAAACADAAAAAAAAAAAAAAEAAACgMgAAVgcAAKr4//8BAAAAf39/AAEAAABkAAAAAAAAABQAAABAHwAAAAAAACYAAAAAAAAAwOD//wAAAAAmAAAAZAAAABYAAABMAAAAAAAAAAAAAAAEAAAAAAAAAAEAAACAgIAKAAAAACgAAAAoAAAAZAAAAGQAAAAAAAAAzMzMAAAAAABQAAAAUAAAAGQAAABkAAAAAAAAABcAAAAUAAAAAAAAANwIAAD/fwAA/38AAAAAAAAJAAAABAAAAAAAAAAMAAAAEAAAAAAAAAAAAAAAAAAAAAAAAAAeAAAAaAAAAAAAAAAAAAAAAAAAAAAAAAAAAAAAECcAABAnAAAAAAAAAAAAAAAAAAAAAAAAAAAAAAAAAAAAAAAAAAAAABQAAAAAAAAAwMD/AAAAAABkAAAAMgAAAAAAAABkAAAAAAAAAH9/fwAKAAAAHwAAAFQAAAC74OMF////AQAAAAAAAAAAAAAAAAAAAAAAAAAAAAAAAAAAAAAAAAAAAAAAAn9/fwCAgIADzMzMAMDA/wB/f38AAAAAAAAAAAAAAAAAAAAAAAAAAAAhAAAAGAAAABQAAAADGgAA5woAAHUeAAB3DgAAECAAACYAAAAIAAAA//////////8="/>
+                <pr:smNativeData xmlns:pr="smNativeData" val="SMDATA_13_gcGAXRMAAAAlAAAAEgAAAE8BAAAAkAAAAEgAAACQAAAASAAAAAAAAAAAAAAAAAAAAAEAAABQAAAAAAAAAAAA4D8AAAAAAADgPwAAAAAAAOA/AAAAAAAA4D8AAAAAAADgPwAAAAAAAOA/AAAAAAAA4D8AAAAAAADgPwAAAAAAAOA/AAAAAAAA4D8CAAAAjAAAAAAAAAAAAAAAu+DjDP///wgAAAAAAAAAAAAAAAAAAAAAAAAAAAAAAAAAAAAAZAAAAAEAAABAAAAAAAAAAAAAAAAAAAAAAAAAAAAAAAAAAAAAAAAAAAAAAAAAAAAAAAAAAAAAAAAAAAAAAAAAAAAAAAAAAAAAAAAAAAAAAAAAAAAAAAAAAAAAAAAAAAAAFAAAADwAAAAAAAAAAAAAAAAAAAkUAAAAAQAAABQAAAAUAAAAFAAAAAEAAAAAAAAAZAAAAGQAAAAAAAAAZAAAAGQAAAAVAAAAYAAAAAAAAAAAAAAADwAAACADAAAAAAAAAAAAAAEAAACgMgAAVgcAAKr4//8BAAAAf39/AAEAAABkAAAAAAAAABQAAABAHwAAAAAAACYAAAAAAAAAwOD//wAAAAAmAAAAZAAAABYAAABMAAAAAAAAAAAAAAAEAAAAAAAAAAEAAACAgIAKAAAAACgAAAAoAAAAZAAAAGQAAAAAAAAAzMzMAAAAAABQAAAAUAAAAGQAAABkAAAAAAAAABcAAAAUAAAAAAAAANwIAAD/fwAA/38AAAAAAAAJAAAABAAAAAAAAAAMAAAAEAAAAAAAAAAAAAAAAAAAAAAAAAAeAAAAaAAAAAAAAAAAAAAAAAAAAAAAAAAAAAAAECcAABAnAAAAAAAAAAAAAAAAAAAAAAAAAAAAAAAAAAAAAAAAAAAAABQAAAAAAAAAwMD/AAAAAABkAAAAMgAAAAAAAABkAAAAAAAAAH9/fwAKAAAAHwAAAFQAAAC74OMF////AQAAAAAAAAAAAAAAAAAAAAAAAAAAAAAAAAAAAAAAAAAAAAAAAn9/fwCAgIADzMzMAMDA/wB/f38AAAAAAAAAAAAAAAAAAAAAAAAAAAAhAAAAGAAAABQAAAADGgAA5woAAHUeAAB3DgAAECAAACYAAAAIAAAA//////////8="/>
               </a:ext>
             </a:extLst>
           </p:cNvSpPr>
@@ -7243,7 +7243,7 @@
           <p:cNvSpPr txBox="1">
             <a:extLst>
               <a:ext uri="smNativeData">
-                <pr:smNativeData xmlns:pr="smNativeData" val="SMDATA_13_IrKAXRMAAAAlAAAAEgAAAE8BAAAAkAAAAEgAAACQAAAASAAAAAAAAAAAAAAAAAAAAAEAAABQAAAAAAAAAAAA4D8AAAAAAADgPwAAAAAAAOA/AAAAAAAA4D8AAAAAAADgPwAAAAAAAOA/AAAAAAAA4D8AAAAAAADgPwAAAAAAAOA/AAAAAAAA4D8CAAAAjAAAAAAAAAAAAAAAu+DjDP///wgAAAAAAAAAAAAAAAAAAAAAAAAAAAAAAAAAAAAAZAAAAAEAAABAAAAAAAAAAAAAAAAAAAAAAAAAAAAAAAAAAAAAAAAAAAAAAAAAAAAAAAAAAAAAAAAAAAAAAAAAAAAAAAAAAAAAAAAAAAAAAAAAAAAAAAAAAAAAAAAAAAAAFAAAADwAAAAAAAAAAAAAAAAAAAkUAAAAAQAAABQAAAAUAAAAFAAAAAEAAAAAAAAAZAAAAGQAAAAAAAAAZAAAAGQAAAAVAAAAYAAAAAAAAAAAAAAADwAAACADAAAAAAAAAAAAAAEAAACgMgAAVgcAAKr4//8BAAAAf39/AAEAAABkAAAAAAAAABQAAABAHwAAAAAAACYAAAAAAAAAwOD//wAAAAAmAAAAZAAAABYAAABMAAAAAAAAAAAAAAAEAAAAAAAAAAEAAACAgIAKAAAAACgAAAAoAAAAZAAAAGQAAAAAAAAAzMzMAAAAAABQAAAAUAAAAGQAAABkAAAAAAAAABcAAAAUAAAAAAAAANwIAAD/fwAA/38AAAAAAAAJAAAABAAAAAAAAAAMAAAAEAAAAAAAAAAAAAAAAAAAAAAAAAAeAAAAaAAAAAAAAAAAAAAAAAAAAAAAAAAAAAAAECcAABAnAAAAAAAAAAAAAAAAAAAAAAAAAAAAAAAAAAAAAAAAAAAAABQAAAAAAAAAwMD/AAAAAABkAAAAMgAAAAAAAABkAAAAAAAAAH9/fwAKAAAAHwAAAFQAAAC74OMF////AQAAAAAAAAAAAAAAAAAAAAAAAAAAAAAAAAAAAAAAAAAAAAAAAn9/fwCAgIADzMzMAMDA/wB/f38AAAAAAAAAAAAAAAAAAAAAAAAAAAAhAAAAGAAAABQAAAB6CwAADhUAABkSAADeFwAAECAAACYAAAAIAAAA//////////8="/>
+                <pr:smNativeData xmlns:pr="smNativeData" val="SMDATA_13_gcGAXRMAAAAlAAAAEgAAAE8BAAAAkAAAAEgAAACQAAAASAAAAAAAAAAAAAAAAAAAAAEAAABQAAAAAAAAAAAA4D8AAAAAAADgPwAAAAAAAOA/AAAAAAAA4D8AAAAAAADgPwAAAAAAAOA/AAAAAAAA4D8AAAAAAADgPwAAAAAAAOA/AAAAAAAA4D8CAAAAjAAAAAAAAAAAAAAAu+DjDP///wgAAAAAAAAAAAAAAAAAAAAAAAAAAAAAAAAAAAAAZAAAAAEAAABAAAAAAAAAAAAAAAAAAAAAAAAAAAAAAAAAAAAAAAAAAAAAAAAAAAAAAAAAAAAAAAAAAAAAAAAAAAAAAAAAAAAAAAAAAAAAAAAAAAAAAAAAAAAAAAAAAAAAFAAAADwAAAAAAAAAAAAAAAAAAAkUAAAAAQAAABQAAAAUAAAAFAAAAAEAAAAAAAAAZAAAAGQAAAAAAAAAZAAAAGQAAAAVAAAAYAAAAAAAAAAAAAAADwAAACADAAAAAAAAAAAAAAEAAACgMgAAVgcAAKr4//8BAAAAf39/AAEAAABkAAAAAAAAABQAAABAHwAAAAAAACYAAAAAAAAAwOD//wAAAAAmAAAAZAAAABYAAABMAAAAAAAAAAAAAAAEAAAAAAAAAAEAAACAgIAKAAAAACgAAAAoAAAAZAAAAGQAAAAAAAAAzMzMAAAAAABQAAAAUAAAAGQAAABkAAAAAAAAABcAAAAUAAAAAAAAANwIAAD/fwAA/38AAAAAAAAJAAAABAAAAAAAAAAMAAAAEAAAAAAAAAAAAAAAAAAAAAAAAAAeAAAAaAAAAAAAAAAAAAAAAAAAAAAAAAAAAAAAECcAABAnAAAAAAAAAAAAAAAAAAAAAAAAAAAAAAAAAAAAAAAAAAAAABQAAAAAAAAAwMD/AAAAAABkAAAAMgAAAAAAAABkAAAAAAAAAH9/fwAKAAAAHwAAAFQAAAC74OMF////AQAAAAAAAAAAAAAAAAAAAAAAAAAAAAAAAAAAAAAAAAAAAAAAAn9/fwCAgIADzMzMAMDA/wB/f38AAAAAAAAAAAAAAAAAAAAAAAAAAAAhAAAAGAAAABQAAAB6CwAADhUAABkSAADeFwAAECAAACYAAAAIAAAA//////////8="/>
               </a:ext>
             </a:extLst>
           </p:cNvSpPr>
@@ -7304,7 +7304,7 @@
           <p:cNvSpPr txBox="1">
             <a:extLst>
               <a:ext uri="smNativeData">
-                <pr:smNativeData xmlns:pr="smNativeData" val="SMDATA_13_IrKAXRMAAAAlAAAAEgAAAE8BAAAAkAAAAEgAAACQAAAASAAAAAAAAAAAAAAAAAAAAAEAAABQAAAAAAAAAAAA4D8AAAAAAADgPwAAAAAAAOA/AAAAAAAA4D8AAAAAAADgPwAAAAAAAOA/AAAAAAAA4D8AAAAAAADgPwAAAAAAAOA/AAAAAAAA4D8CAAAAjAAAAAAAAAAAAAAAu+DjDP///wgAAAAAAAAAAAAAAAAAAAAAAAAAAAAAAAAAAAAAZAAAAAEAAABAAAAAAAAAAAAAAAAAAAAAAAAAAAAAAAAAAAAAAAAAAAAAAAAAAAAAAAAAAAAAAAAAAAAAAAAAAAAAAAAAAAAAAAAAAAAAAAAAAAAAAAAAAAAAAAAAAAAAFAAAADwAAAAAAAAAAAAAAAAAAAkUAAAAAQAAABQAAAAUAAAAFAAAAAEAAAAAAAAAZAAAAGQAAAAAAAAAZAAAAGQAAAAVAAAAYAAAAAAAAAAAAAAADwAAACADAAAAAAAAAAAAAAEAAACgMgAAVgcAAKr4//8BAAAAf39/AAEAAABkAAAAAAAAABQAAABAHwAAAAAAACYAAAAAAAAAwOD//wAAAAAmAAAAZAAAABYAAABMAAAAAAAAAAAAAAAEAAAAAAAAAAEAAACAgIAKAAAAACgAAAAoAAAAZAAAAGQAAAAAAAAAzMzMAAAAAABQAAAAUAAAAGQAAABkAAAAAAAAABcAAAAUAAAAAAAAANwIAAD/fwAA/38AAAAAAAAJAAAABAAAAAAAAAAMAAAAEAAAAAAAAAAAAAAAAAAAAAAAAAAeAAAAaAAAAAAAAAAAAAAAAAAAAAAAAAAAAAAAECcAABAnAAAAAAAAAAAAAAAAAAAAAAAAAAAAAAAAAAAAAAAAAAAAABQAAAAAAAAAwMD/AAAAAABkAAAAMgAAAAAAAABkAAAAAAAAAH9/fwAKAAAAHwAAAFQAAAC74OMF////AQAAAAAAAAAAAAAAAAAAAAAAAAAAAAAAAAAAAAAAAAAAAAAAAn9/fwCAgIADzMzMAMDA/wB/f38AAAAAAAAAAAAAAAAAAAAAAAAAAAAhAAAAGAAAABQAAACfCwAACB0AAD4SAADYHwAAECAAACYAAAAIAAAA//////////8="/>
+                <pr:smNativeData xmlns:pr="smNativeData" val="SMDATA_13_gcGAXRMAAAAlAAAAEgAAAE8BAAAAkAAAAEgAAACQAAAASAAAAAAAAAAAAAAAAAAAAAEAAABQAAAAAAAAAAAA4D8AAAAAAADgPwAAAAAAAOA/AAAAAAAA4D8AAAAAAADgPwAAAAAAAOA/AAAAAAAA4D8AAAAAAADgPwAAAAAAAOA/AAAAAAAA4D8CAAAAjAAAAAAAAAAAAAAAu+DjDP///wgAAAAAAAAAAAAAAAAAAAAAAAAAAAAAAAAAAAAAZAAAAAEAAABAAAAAAAAAAAAAAAAAAAAAAAAAAAAAAAAAAAAAAAAAAAAAAAAAAAAAAAAAAAAAAAAAAAAAAAAAAAAAAAAAAAAAAAAAAAAAAAAAAAAAAAAAAAAAAAAAAAAAFAAAADwAAAAAAAAAAAAAAAAAAAkUAAAAAQAAABQAAAAUAAAAFAAAAAEAAAAAAAAAZAAAAGQAAAAAAAAAZAAAAGQAAAAVAAAAYAAAAAAAAAAAAAAADwAAACADAAAAAAAAAAAAAAEAAACgMgAAVgcAAKr4//8BAAAAf39/AAEAAABkAAAAAAAAABQAAABAHwAAAAAAACYAAAAAAAAAwOD//wAAAAAmAAAAZAAAABYAAABMAAAAAAAAAAAAAAAEAAAAAAAAAAEAAACAgIAKAAAAACgAAAAoAAAAZAAAAGQAAAAAAAAAzMzMAAAAAABQAAAAUAAAAGQAAABkAAAAAAAAABcAAAAUAAAAAAAAANwIAAD/fwAA/38AAAAAAAAJAAAABAAAAAAAAAAMAAAAEAAAAAAAAAAAAAAAAAAAAAAAAAAeAAAAaAAAAAAAAAAAAAAAAAAAAAAAAAAAAAAAECcAABAnAAAAAAAAAAAAAAAAAAAAAAAAAAAAAAAAAAAAAAAAAAAAABQAAAAAAAAAwMD/AAAAAABkAAAAMgAAAAAAAABkAAAAAAAAAH9/fwAKAAAAHwAAAFQAAAC74OMF////AQAAAAAAAAAAAAAAAAAAAAAAAAAAAAAAAAAAAAAAAAAAAAAAAn9/fwCAgIADzMzMAMDA/wB/f38AAAAAAAAAAAAAAAAAAAAAAAAAAAAhAAAAGAAAABQAAACfCwAACB0AAD4SAADYHwAAECAAACYAAAAIAAAA//////////8="/>
               </a:ext>
             </a:extLst>
           </p:cNvSpPr>
@@ -7365,7 +7365,7 @@
           <p:cNvSpPr txBox="1">
             <a:extLst>
               <a:ext uri="smNativeData">
-                <pr:smNativeData xmlns:pr="smNativeData" val="SMDATA_13_IrKAXRMAAAAlAAAAEgAAAE8BAAAAkAAAAEgAAACQAAAASAAAAAAAAAAAAAAAAAAAAAEAAABQAAAAAAAAAAAA4D8AAAAAAADgPwAAAAAAAOA/AAAAAAAA4D8AAAAAAADgPwAAAAAAAOA/AAAAAAAA4D8AAAAAAADgPwAAAAAAAOA/AAAAAAAA4D8CAAAAjAAAAAAAAAAAAAAAu+DjDP///wgAAAAAAAAAAAAAAAAAAAAAAAAAAAAAAAAAAAAAZAAAAAEAAABAAAAAAAAAAAAAAAAAAAAAAAAAAAAAAAAAAAAAAAAAAAAAAAAAAAAAAAAAAAAAAAAAAAAAAAAAAAAAAAAAAAAAAAAAAAAAAAAAAAAAAAAAAAAAAAAAAAAAFAAAADwAAAAAAAAAAAAAAAAAAAkUAAAAAQAAABQAAAAUAAAAFAAAAAEAAAAAAAAAZAAAAGQAAAAAAAAAZAAAAGQAAAAVAAAAYAAAAAAAAAAAAAAADwAAACADAAAAAAAAAAAAAAEAAACgMgAAVgcAAKr4//8BAAAAf39/AAEAAABkAAAAAAAAABQAAABAHwAAAAAAACYAAAAAAAAAwOD//wAAAAAmAAAAZAAAABYAAABMAAAAAAAAAAAAAAAEAAAAAAAAAAEAAACAgIAKAAAAACgAAAAoAAAAZAAAAGQAAAAAAAAAzMzMAAAAAABQAAAAUAAAAGQAAABkAAAAAAAAABcAAAAUAAAAAAAAANwIAAD/fwAA/38AAAAAAAAJAAAABAAAAG50PSIMAAAAEAAAAAAAAAAAAAAAAAAAAAAAAAAeAAAAaAAAAAAAAAAAAAAAAAAAAAAAAAAAAAAAECcAABAnAAAAAAAAAAAAAAAAAAAAAAAAAAAAAAAAAAAAAAAAAAAAABQAAAAAAAAAwMD/AAAAAABkAAAAMgAAAAAAAABkAAAAAAAAAH9/fwAKAAAAHwAAAFQAAAC74OMF////AQAAAAAAAAAAAAAAAAAAAAAAAAAAAAAAAAAAAAAAAAAAAAAAAn9/fwCAgIADzMzMAMDA/wB/f38AAAAAAAAAAAAAAAAAAAAAAAAAAAAhAAAAGAAAABQAAAB6CwAA+iQAABkSAACqJgAAECAAACYAAAAIAAAA//////////8="/>
+                <pr:smNativeData xmlns:pr="smNativeData" val="SMDATA_13_gcGAXRMAAAAlAAAAEgAAAE8BAAAAkAAAAEgAAACQAAAASAAAAAAAAAAAAAAAAAAAAAEAAABQAAAAAAAAAAAA4D8AAAAAAADgPwAAAAAAAOA/AAAAAAAA4D8AAAAAAADgPwAAAAAAAOA/AAAAAAAA4D8AAAAAAADgPwAAAAAAAOA/AAAAAAAA4D8CAAAAjAAAAAAAAAAAAAAAu+DjDP///wgAAAAAAAAAAAAAAAAAAAAAAAAAAAAAAAAAAAAAZAAAAAEAAABAAAAAAAAAAAAAAAAAAAAAAAAAAAAAAAAAAAAAAAAAAAAAAAAAAAAAAAAAAAAAAAAAAAAAAAAAAAAAAAAAAAAAAAAAAAAAAAAAAAAAAAAAAAAAAAAAAAAAFAAAADwAAAAAAAAAAAAAAAAAAAkUAAAAAQAAABQAAAAUAAAAFAAAAAEAAAAAAAAAZAAAAGQAAAAAAAAAZAAAAGQAAAAVAAAAYAAAAAAAAAAAAAAADwAAACADAAAAAAAAAAAAAAEAAACgMgAAVgcAAKr4//8BAAAAf39/AAEAAABkAAAAAAAAABQAAABAHwAAAAAAACYAAAAAAAAAwOD//wAAAAAmAAAAZAAAABYAAABMAAAAAAAAAAAAAAAEAAAAAAAAAAEAAACAgIAKAAAAACgAAAAoAAAAZAAAAGQAAAAAAAAAzMzMAAAAAABQAAAAUAAAAGQAAABkAAAAAAAAABcAAAAUAAAAAAAAANwIAAD/fwAA/38AAAAAAAAJAAAABAAAAG50PSIMAAAAEAAAAAAAAAAAAAAAAAAAAAAAAAAeAAAAaAAAAAAAAAAAAAAAAAAAAAAAAAAAAAAAECcAABAnAAAAAAAAAAAAAAAAAAAAAAAAAAAAAAAAAAAAAAAAAAAAABQAAAAAAAAAwMD/AAAAAABkAAAAMgAAAAAAAABkAAAAAAAAAH9/fwAKAAAAHwAAAFQAAAC74OMF////AQAAAAAAAAAAAAAAAAAAAAAAAAAAAAAAAAAAAAAAAAAAAAAAAn9/fwCAgIADzMzMAMDA/wB/f38AAAAAAAAAAAAAAAAAAAAAAAAAAAAhAAAAGAAAABQAAAB6CwAA+iQAABkSAACqJgAAECAAACYAAAAIAAAA//////////8="/>
               </a:ext>
             </a:extLst>
           </p:cNvSpPr>
@@ -7411,7 +7411,7 @@
           <p:cNvSpPr txBox="1">
             <a:extLst>
               <a:ext uri="smNativeData">
-                <pr:smNativeData xmlns:pr="smNativeData" val="SMDATA_13_IrKAXRMAAAAlAAAAEgAAAE8BAAAAkAAAAEgAAACQAAAASAAAAAAAAAAAAAAAAAAAAAEAAABQAAAAAAAAAAAA4D8AAAAAAADgPwAAAAAAAOA/AAAAAAAA4D8AAAAAAADgPwAAAAAAAOA/AAAAAAAA4D8AAAAAAADgPwAAAAAAAOA/AAAAAAAA4D8CAAAAjAAAAAAAAAAAAAAAu+DjDP///wgAAAAAAAAAAAAAAAAAAAAAAAAAAAAAAAAAAAAAZAAAAAEAAABAAAAAAAAAAAAAAAAAAAAAAAAAAAAAAAAAAAAAAAAAAAAAAAAAAAAAAAAAAAAAAAAAAAAAAAAAAAAAAAAAAAAAAAAAAAAAAAAAAAAAAAAAAAAAAAAAAAAAFAAAADwAAAAAAAAAAAAAAAAAAAkUAAAAAQAAABQAAAAUAAAAFAAAAAEAAAAAAAAAZAAAAGQAAAAAAAAAZAAAAGQAAAAVAAAAYAAAAAAAAAAAAAAADwAAACADAAAAAAAAAAAAAAEAAACgMgAAVgcAAKr4//8BAAAAf39/AAEAAABkAAAAAAAAABQAAABAHwAAAAAAACYAAAAAAAAAwOD//wAAAAAmAAAAZAAAABYAAABMAAAAAAAAAAAAAAAEAAAAAAAAAAEAAACAgIAKAAAAACgAAAAoAAAAZAAAAGQAAAAAAAAAzMzMAAAAAABQAAAAUAAAAGQAAABkAAAAAAAAABcAAAAUAAAAAAAAANwIAAD/fwAA/38AAAAAAAAJAAAABAAAAHBlPSIMAAAAEAAAAAAAAAAAAAAAAAAAAAAAAAAeAAAAaAAAAAAAAAAAAAAAAAAAAAAAAAAAAAAAECcAABAnAAAAAAAAAAAAAAAAAAAAAAAAAAAAAAAAAAAAAAAAAAAAABQAAAAAAAAAwMD/AAAAAABkAAAAMgAAAAAAAABkAAAAAAAAAH9/fwAKAAAAHwAAAFQAAAC74OMF////AQAAAAAAAAAAAAAAAAAAAAAAAAAAAAAAAAAAAAAAAAAAAAAAAn9/fwCAgIADzMzMAMDA/wB/f38AAAAAAAAAAAAAAAAAAAAAAAAAAAAhAAAAGAAAABQAAAC4GAAAjhUAAFcfAAA+FwAAECAAACYAAAAIAAAA//////////8="/>
+                <pr:smNativeData xmlns:pr="smNativeData" val="SMDATA_13_gcGAXRMAAAAlAAAAEgAAAE8BAAAAkAAAAEgAAACQAAAASAAAAAAAAAAAAAAAAAAAAAEAAABQAAAAAAAAAAAA4D8AAAAAAADgPwAAAAAAAOA/AAAAAAAA4D8AAAAAAADgPwAAAAAAAOA/AAAAAAAA4D8AAAAAAADgPwAAAAAAAOA/AAAAAAAA4D8CAAAAjAAAAAAAAAAAAAAAu+DjDP///wgAAAAAAAAAAAAAAAAAAAAAAAAAAAAAAAAAAAAAZAAAAAEAAABAAAAAAAAAAAAAAAAAAAAAAAAAAAAAAAAAAAAAAAAAAAAAAAAAAAAAAAAAAAAAAAAAAAAAAAAAAAAAAAAAAAAAAAAAAAAAAAAAAAAAAAAAAAAAAAAAAAAAFAAAADwAAAAAAAAAAAAAAAAAAAkUAAAAAQAAABQAAAAUAAAAFAAAAAEAAAAAAAAAZAAAAGQAAAAAAAAAZAAAAGQAAAAVAAAAYAAAAAAAAAAAAAAADwAAACADAAAAAAAAAAAAAAEAAACgMgAAVgcAAKr4//8BAAAAf39/AAEAAABkAAAAAAAAABQAAABAHwAAAAAAACYAAAAAAAAAwOD//wAAAAAmAAAAZAAAABYAAABMAAAAAAAAAAAAAAAEAAAAAAAAAAEAAACAgIAKAAAAACgAAAAoAAAAZAAAAGQAAAAAAAAAzMzMAAAAAABQAAAAUAAAAGQAAABkAAAAAAAAABcAAAAUAAAAAAAAANwIAAD/fwAA/38AAAAAAAAJAAAABAAAAHBlPSIMAAAAEAAAAAAAAAAAAAAAAAAAAAAAAAAeAAAAaAAAAAAAAAAAAAAAAAAAAAAAAAAAAAAAECcAABAnAAAAAAAAAAAAAAAAAAAAAAAAAAAAAAAAAAAAAAAAAAAAABQAAAAAAAAAwMD/AAAAAABkAAAAMgAAAAAAAABkAAAAAAAAAH9/fwAKAAAAHwAAAFQAAAC74OMF////AQAAAAAAAAAAAAAAAAAAAAAAAAAAAAAAAAAAAAAAAAAAAAAAAn9/fwCAgIADzMzMAMDA/wB/f38AAAAAAAAAAAAAAAAAAAAAAAAAAAAhAAAAGAAAABQAAAC4GAAAjhUAAFcfAAA+FwAAECAAACYAAAAIAAAA//////////8="/>
               </a:ext>
             </a:extLst>
           </p:cNvSpPr>
@@ -7457,7 +7457,7 @@
           <p:cNvSpPr txBox="1">
             <a:extLst>
               <a:ext uri="smNativeData">
-                <pr:smNativeData xmlns:pr="smNativeData" val="SMDATA_13_IrKAXRMAAAAlAAAAEgAAAE8BAAAAkAAAAEgAAACQAAAASAAAAAAAAAAAAAAAAAAAAAEAAABQAAAAAAAAAAAA4D8AAAAAAADgPwAAAAAAAOA/AAAAAAAA4D8AAAAAAADgPwAAAAAAAOA/AAAAAAAA4D8AAAAAAADgPwAAAAAAAOA/AAAAAAAA4D8CAAAAjAAAAAAAAAAAAAAAu+DjDP///wgAAAAAAAAAAAAAAAAAAAAAAAAAAAAAAAAAAAAAZAAAAAEAAABAAAAAAAAAAAAAAAAAAAAAAAAAAAAAAAAAAAAAAAAAAAAAAAAAAAAAAAAAAAAAAAAAAAAAAAAAAAAAAAAAAAAAAAAAAAAAAAAAAAAAAAAAAAAAAAAAAAAAFAAAADwAAAAAAAAAAAAAAAAAAAkUAAAAAQAAABQAAAAUAAAAFAAAAAEAAAAAAAAAZAAAAGQAAAAAAAAAZAAAAGQAAAAVAAAAYAAAAAAAAAAAAAAADwAAACADAAAAAAAAAAAAAAEAAACgMgAAVgcAAKr4//8BAAAAf39/AAEAAABkAAAAAAAAABQAAABAHwAAAAAAACYAAAAAAAAAwOD//wAAAAAmAAAAZAAAABYAAABMAAAAAAAAAAAAAAAEAAAAAAAAAAEAAACAgIAKAAAAACgAAAAoAAAAZAAAAGQAAAAAAAAAzMzMAAAAAABQAAAAUAAAAGQAAABkAAAAAAAAABcAAAAUAAAAAAAAANwIAAD/fwAA/38AAAAAAAAJAAAABAAAACIvPjwMAAAAEAAAAAAAAAAAAAAAAAAAAAAAAAAeAAAAaAAAAAAAAAAAAAAAAAAAAAAAAAAAAAAAECcAABAnAAAAAAAAAAAAAAAAAAAAAAAAAAAAAAAAAAAAAAAAAAAAABQAAAAAAAAAwMD/AAAAAABkAAAAMgAAAAAAAABkAAAAAAAAAH9/fwAKAAAAHwAAAFQAAAC74OMF////AQAAAAAAAAAAAAAAAAAAAAAAAAAAAAAAAAAAAAAAAAAAAAAAAn9/fwCAgIADzMzMAMDA/wB/f38AAAAAAAAAAAAAAAAAAAAAAAAAAAAhAAAAGAAAABQAAAC4GAAAeR0AAFcfAAApHwAAECAAACYAAAAIAAAA//////////8="/>
+                <pr:smNativeData xmlns:pr="smNativeData" val="SMDATA_13_gcGAXRMAAAAlAAAAEgAAAE8BAAAAkAAAAEgAAACQAAAASAAAAAAAAAAAAAAAAAAAAAEAAABQAAAAAAAAAAAA4D8AAAAAAADgPwAAAAAAAOA/AAAAAAAA4D8AAAAAAADgPwAAAAAAAOA/AAAAAAAA4D8AAAAAAADgPwAAAAAAAOA/AAAAAAAA4D8CAAAAjAAAAAAAAAAAAAAAu+DjDP///wgAAAAAAAAAAAAAAAAAAAAAAAAAAAAAAAAAAAAAZAAAAAEAAABAAAAAAAAAAAAAAAAAAAAAAAAAAAAAAAAAAAAAAAAAAAAAAAAAAAAAAAAAAAAAAAAAAAAAAAAAAAAAAAAAAAAAAAAAAAAAAAAAAAAAAAAAAAAAAAAAAAAAFAAAADwAAAAAAAAAAAAAAAAAAAkUAAAAAQAAABQAAAAUAAAAFAAAAAEAAAAAAAAAZAAAAGQAAAAAAAAAZAAAAGQAAAAVAAAAYAAAAAAAAAAAAAAADwAAACADAAAAAAAAAAAAAAEAAACgMgAAVgcAAKr4//8BAAAAf39/AAEAAABkAAAAAAAAABQAAABAHwAAAAAAACYAAAAAAAAAwOD//wAAAAAmAAAAZAAAABYAAABMAAAAAAAAAAAAAAAEAAAAAAAAAAEAAACAgIAKAAAAACgAAAAoAAAAZAAAAGQAAAAAAAAAzMzMAAAAAABQAAAAUAAAAGQAAABkAAAAAAAAABcAAAAUAAAAAAAAANwIAAD/fwAA/38AAAAAAAAJAAAABAAAACIvPjwMAAAAEAAAAAAAAAAAAAAAAAAAAAAAAAAeAAAAaAAAAAAAAAAAAAAAAAAAAAAAAAAAAAAAECcAABAnAAAAAAAAAAAAAAAAAAAAAAAAAAAAAAAAAAAAAAAAAAAAABQAAAAAAAAAwMD/AAAAAABkAAAAMgAAAAAAAABkAAAAAAAAAH9/fwAKAAAAHwAAAFQAAAC74OMF////AQAAAAAAAAAAAAAAAAAAAAAAAAAAAAAAAAAAAAAAAAAAAAAAAn9/fwCAgIADzMzMAMDA/wB/f38AAAAAAAAAAAAAAAAAAAAAAAAAAAAhAAAAGAAAABQAAAC4GAAAeR0AAFcfAAApHwAAECAAACYAAAAIAAAA//////////8="/>
               </a:ext>
             </a:extLst>
           </p:cNvSpPr>
@@ -7503,7 +7503,7 @@
           <p:cNvSpPr txBox="1">
             <a:extLst>
               <a:ext uri="smNativeData">
-                <pr:smNativeData xmlns:pr="smNativeData" val="SMDATA_13_IrKAXRMAAAAlAAAAEgAAAE8BAAAAkAAAAEgAAACQAAAASAAAAAAAAAAAAAAAAAAAAAEAAABQAAAAAAAAAAAA4D8AAAAAAADgPwAAAAAAAOA/AAAAAAAA4D8AAAAAAADgPwAAAAAAAOA/AAAAAAAA4D8AAAAAAADgPwAAAAAAAOA/AAAAAAAA4D8CAAAAjAAAAAAAAAAAAAAAu+DjDP///wgAAAAAAAAAAAAAAAAAAAAAAAAAAAAAAAAAAAAAZAAAAAEAAABAAAAAAAAAAAAAAAAAAAAAAAAAAAAAAAAAAAAAAAAAAAAAAAAAAAAAAAAAAAAAAAAAAAAAAAAAAAAAAAAAAAAAAAAAAAAAAAAAAAAAAAAAAAAAAAAAAAAAFAAAADwAAAAAAAAAAAAAAAAAAAkUAAAAAQAAABQAAAAUAAAAFAAAAAEAAAAAAAAAZAAAAGQAAAAAAAAAZAAAAGQAAAAVAAAAYAAAAAAAAAAAAAAADwAAACADAAAAAAAAAAAAAAEAAACgMgAAVgcAAKr4//8BAAAAf39/AAEAAABkAAAAAAAAABQAAABAHwAAAAAAACYAAAAAAAAAwOD//wAAAAAmAAAAZAAAABYAAABMAAAAAAAAAAAAAAAEAAAAAAAAAAEAAACAgIAKAAAAACgAAAAoAAAAZAAAAGQAAAAAAAAAzMzMAAAAAABQAAAAUAAAAGQAAABkAAAAAAAAABcAAAAUAAAAAAAAANwIAAD/fwAA/38AAAAAAAAJAAAABAAAAFByPjwMAAAAEAAAAAAAAAAAAAAAAAAAAAAAAAAeAAAAaAAAAAAAAAAAAAAAAAAAAAAAAAAAAAAAECcAABAnAAAAAAAAAAAAAAAAAAAAAAAAAAAAAAAAAAAAAAAAAAAAABQAAAAAAAAAwMD/AAAAAABkAAAAMgAAAAAAAABkAAAAAAAAAH9/fwAKAAAAHwAAAFQAAAC74OMF////AQAAAAAAAAAAAAAAAAAAAAAAAAAAAAAAAAAAAAAAAAAAAAAAAn9/fwCAgIADzMzMAMDA/wB/f38AAAAAAAAAAAAAAAAAAAAAAAAAAAAhAAAAGAAAABQAAAD7EgAAyg8AAJoZAADaEQAAECAAACYAAAAIAAAA//////////8="/>
+                <pr:smNativeData xmlns:pr="smNativeData" val="SMDATA_13_gcGAXRMAAAAlAAAAEgAAAE8BAAAAkAAAAEgAAACQAAAASAAAAAAAAAAAAAAAAAAAAAEAAABQAAAAAAAAAAAA4D8AAAAAAADgPwAAAAAAAOA/AAAAAAAA4D8AAAAAAADgPwAAAAAAAOA/AAAAAAAA4D8AAAAAAADgPwAAAAAAAOA/AAAAAAAA4D8CAAAAjAAAAAAAAAAAAAAAu+DjDP///wgAAAAAAAAAAAAAAAAAAAAAAAAAAAAAAAAAAAAAZAAAAAEAAABAAAAAAAAAAAAAAAAAAAAAAAAAAAAAAAAAAAAAAAAAAAAAAAAAAAAAAAAAAAAAAAAAAAAAAAAAAAAAAAAAAAAAAAAAAAAAAAAAAAAAAAAAAAAAAAAAAAAAFAAAADwAAAAAAAAAAAAAAAAAAAkUAAAAAQAAABQAAAAUAAAAFAAAAAEAAAAAAAAAZAAAAGQAAAAAAAAAZAAAAGQAAAAVAAAAYAAAAAAAAAAAAAAADwAAACADAAAAAAAAAAAAAAEAAACgMgAAVgcAAKr4//8BAAAAf39/AAEAAABkAAAAAAAAABQAAABAHwAAAAAAACYAAAAAAAAAwOD//wAAAAAmAAAAZAAAABYAAABMAAAAAAAAAAAAAAAEAAAAAAAAAAEAAACAgIAKAAAAACgAAAAoAAAAZAAAAGQAAAAAAAAAzMzMAAAAAABQAAAAUAAAAGQAAABkAAAAAAAAABcAAAAUAAAAAAAAANwIAAD/fwAA/38AAAAAAAAJAAAABAAAAFByPjwMAAAAEAAAAAAAAAAAAAAAAAAAAAAAAAAeAAAAaAAAAAAAAAAAAAAAAAAAAAAAAAAAAAAAECcAABAnAAAAAAAAAAAAAAAAAAAAAAAAAAAAAAAAAAAAAAAAAAAAABQAAAAAAAAAwMD/AAAAAABkAAAAMgAAAAAAAABkAAAAAAAAAH9/fwAKAAAAHwAAAFQAAAC74OMF////AQAAAAAAAAAAAAAAAAAAAAAAAAAAAAAAAAAAAAAAAAAAAAAAAn9/fwCAgIADzMzMAMDA/wB/f38AAAAAAAAAAAAAAAAAAAAAAAAAAAAhAAAAGAAAABQAAAD7EgAAyg8AAJoZAADaEQAAECAAACYAAAAIAAAA//////////8="/>
               </a:ext>
             </a:extLst>
           </p:cNvSpPr>
@@ -7549,7 +7549,7 @@
           <p:cNvSpPr txBox="1">
             <a:extLst>
               <a:ext uri="smNativeData">
-                <pr:smNativeData xmlns:pr="smNativeData" val="SMDATA_13_IrKAXRMAAAAlAAAAEgAAAE8BAAAAkAAAAEgAAACQAAAASAAAAAAAAAAAAAAAAAAAAAEAAABQAAAAAAAAAAAA4D8AAAAAAADgPwAAAAAAAOA/AAAAAAAA4D8AAAAAAADgPwAAAAAAAOA/AAAAAAAA4D8AAAAAAADgPwAAAAAAAOA/AAAAAAAA4D8CAAAAjAAAAAAAAAAAAAAAu+DjDP///wgAAAAAAAAAAAAAAAAAAAAAAAAAAAAAAAAAAAAAZAAAAAEAAABAAAAAAAAAAAAAAAAAAAAAAAAAAAAAAAAAAAAAAAAAAAAAAAAAAAAAAAAAAAAAAAAAAAAAAAAAAAAAAAAAAAAAAAAAAAAAAAAAAAAAAAAAAAAAAAAAAAAAFAAAADwAAAAAAAAAAAAAAAAAAAkUAAAAAQAAABQAAAAUAAAAFAAAAAEAAAAAAAAAZAAAAGQAAAAAAAAAZAAAAGQAAAAVAAAAYAAAAAAAAAAAAAAADwAAACADAAAAAAAAAAAAAAEAAACgMgAAVgcAAKr4//8BAAAAf39/AAEAAABkAAAAAAAAABQAAABAHwAAAAAAACYAAAAAAAAAwOD//wAAAAAmAAAAZAAAABYAAABMAAAAAAAAAAAAAAAEAAAAAAAAAAEAAACAgIAKAAAAACgAAAAoAAAAZAAAAGQAAAAAAAAAzMzMAAAAAABQAAAAUAAAAGQAAABkAAAAAAAAABcAAAAUAAAAAAAAANwIAAD/fwAA/38AAAAAAAAJAAAABAAAAAAAAAAMAAAAEAAAAAAAAAAAAAAAAAAAAAAAAAAeAAAAaAAAAAAAAAAAAAAAAAAAAAAAAAAAAAAAECcAABAnAAAAAAAAAAAAAAAAAAAAAAAAAAAAAAAAAAAAAAAAAAAAABQAAAAAAAAAwMD/AAAAAABkAAAAMgAAAAAAAABkAAAAAAAAAH9/fwAKAAAAHwAAAFQAAAC74OMF////AQAAAAAAAAAAAAAAAAAAAAAAAAAAAAAAAAAAAAAAAAAAAAAAAn9/fwCAgIADzMzMAMDA/wB/f38AAAAAAAAAAAAAAAAAAAAAAAAAAAAhAAAAGAAAABQAAADqGAAA0RAAAIkfAADhEgAAECAAACYAAAAIAAAA//////////8="/>
+                <pr:smNativeData xmlns:pr="smNativeData" val="SMDATA_13_gcGAXRMAAAAlAAAAEgAAAE8BAAAAkAAAAEgAAACQAAAASAAAAAAAAAAAAAAAAAAAAAEAAABQAAAAAAAAAAAA4D8AAAAAAADgPwAAAAAAAOA/AAAAAAAA4D8AAAAAAADgPwAAAAAAAOA/AAAAAAAA4D8AAAAAAADgPwAAAAAAAOA/AAAAAAAA4D8CAAAAjAAAAAAAAAAAAAAAu+DjDP///wgAAAAAAAAAAAAAAAAAAAAAAAAAAAAAAAAAAAAAZAAAAAEAAABAAAAAAAAAAAAAAAAAAAAAAAAAAAAAAAAAAAAAAAAAAAAAAAAAAAAAAAAAAAAAAAAAAAAAAAAAAAAAAAAAAAAAAAAAAAAAAAAAAAAAAAAAAAAAAAAAAAAAFAAAADwAAAAAAAAAAAAAAAAAAAkUAAAAAQAAABQAAAAUAAAAFAAAAAEAAAAAAAAAZAAAAGQAAAAAAAAAZAAAAGQAAAAVAAAAYAAAAAAAAAAAAAAADwAAACADAAAAAAAAAAAAAAEAAACgMgAAVgcAAKr4//8BAAAAf39/AAEAAABkAAAAAAAAABQAAABAHwAAAAAAACYAAAAAAAAAwOD//wAAAAAmAAAAZAAAABYAAABMAAAAAAAAAAAAAAAEAAAAAAAAAAEAAACAgIAKAAAAACgAAAAoAAAAZAAAAGQAAAAAAAAAzMzMAAAAAABQAAAAUAAAAGQAAABkAAAAAAAAABcAAAAUAAAAAAAAANwIAAD/fwAA/38AAAAAAAAJAAAABAAAAAAAAAAMAAAAEAAAAAAAAAAAAAAAAAAAAAAAAAAeAAAAaAAAAAAAAAAAAAAAAAAAAAAAAAAAAAAAECcAABAnAAAAAAAAAAAAAAAAAAAAAAAAAAAAAAAAAAAAAAAAAAAAABQAAAAAAAAAwMD/AAAAAABkAAAAMgAAAAAAAABkAAAAAAAAAH9/fwAKAAAAHwAAAFQAAAC74OMF////AQAAAAAAAAAAAAAAAAAAAAAAAAAAAAAAAAAAAAAAAAAAAAAAAn9/fwCAgIADzMzMAMDA/wB/f38AAAAAAAAAAAAAAAAAAAAAAAAAAAAhAAAAGAAAABQAAADqGAAA0RAAAIkfAADhEgAAECAAACYAAAAIAAAA//////////8="/>
               </a:ext>
             </a:extLst>
           </p:cNvSpPr>
@@ -7595,7 +7595,7 @@
           <p:cNvSpPr>
             <a:extLst>
               <a:ext uri="smNativeData">
-                <pr:smNativeData xmlns:pr="smNativeData" val="SMDATA_13_IrKAXRMAAAAlAAAAZAAAAA8BAAAAkAAAAEgAAACQAAAASAAAAAAAAAAAAAAAAAAAAAEAAABQAAAAAAAAAAAA4D8AAAAAAADgPwAAAAAAAOA/AAAAAAAA4D8AAAAAAADgPwAAAAAAAOA/AAAAAAAA4D8AAAAAAADgPwAAAAAAAOA/AAAAAAAA4D8CAAAAjAAAAAEAAAAAAAAAHh4eAP///wgAAAAAAAAAAAAAAAAAAAAAAAAAAAAAAAAAAAAAZAAAAAEAAABAAAAAAAAAAAAAAAAAAAAAAAAAAAAAAAAAAAAAAAAAAAAAAAAAAAAAAAAAAAAAAAAAAAAAAAAAAAAAAAAAAAAAAAAAAAAAAAAAAAAAAAAAAAAAAAAAAAAAFAAAADwAAAAAAAAAAAAAAAAAAAkAAAAAAQAAAAAAAAAAAAAAAAAAAAAAAAAAAAAAZAAAAGQAAAAAAAAAZAAAAGQAAAAVAAAAYAAAAAAAAAAAAAAADwAAACADAAAAAAAAAAAAAAEAAACgMgAAAAAAAAAAAAABAAAAf39/AAEAAABkAAAAAAAAABQAAABAHwAAAAAAACYAAAAAAAAAwOD//wAAAAAmAAAAZAAAABYAAABMAAAAAAAAAAAAAAAEAAAAAAAAAAEAAACAgIAKAAAAACgAAAAoAAAAZAAAAGQAAAAAAAAAzMzMAAAAAABQAAAAUAAAAGQAAABkAAAAAAAAABcAAAAUAAAAAAAAAAAAAAD/fwAA/38AAAAAAAAJAAAABAAAAAAAAAAMAAAAEAAAAAAAAAAAAAAAAAAAAAAAAAAeAAAAaAAAAAAAAAAAAAAAAAAAAAAAAAAAAAAAECcAABAnAAAAAAAAAAAAAAAAAAAAAAAAAAAAAAAAAAAAAAAAAAAAABQAAAAAAAAAwMD/AAAAAABkAAAAMgAAAAAAAABkAAAAAAAAAH9/fwAKAAAAHwAAAFQAAAAeHh4A////AQAAAAAAAAAAAAAAAAAAAAAAAAAAAAAAAAAAAAAAAAAAAAAAAn9/fwCAgIADzMzMAMDA/wB/f38AAAAAAAAAAAAAAAAAAAAAAAAAAAAhAAAAGAAAABQAAAAAAAAAZQcAAEA4AAC4CAAAEAAAACYAAAAIAAAA//////////8="/>
+                <pr:smNativeData xmlns:pr="smNativeData" val="SMDATA_13_gcGAXRMAAAAlAAAAZAAAAA8BAAAAkAAAAEgAAACQAAAASAAAAAAAAAAAAAAAAAAAAAEAAABQAAAAAAAAAAAA4D8AAAAAAADgPwAAAAAAAOA/AAAAAAAA4D8AAAAAAADgPwAAAAAAAOA/AAAAAAAA4D8AAAAAAADgPwAAAAAAAOA/AAAAAAAA4D8CAAAAjAAAAAEAAAAAAAAAHh4eAP///wgAAAAAAAAAAAAAAAAAAAAAAAAAAAAAAAAAAAAAZAAAAAEAAABAAAAAAAAAAAAAAAAAAAAAAAAAAAAAAAAAAAAAAAAAAAAAAAAAAAAAAAAAAAAAAAAAAAAAAAAAAAAAAAAAAAAAAAAAAAAAAAAAAAAAAAAAAAAAAAAAAAAAFAAAADwAAAAAAAAAAAAAAAAAAAkAAAAAAQAAAAAAAAAAAAAAAAAAAAAAAAAAAAAAZAAAAGQAAAAAAAAAZAAAAGQAAAAVAAAAYAAAAAAAAAAAAAAADwAAACADAAAAAAAAAAAAAAEAAACgMgAAAAAAAAAAAAABAAAAf39/AAEAAABkAAAAAAAAABQAAABAHwAAAAAAACYAAAAAAAAAwOD//wAAAAAmAAAAZAAAABYAAABMAAAAAAAAAAAAAAAEAAAAAAAAAAEAAACAgIAKAAAAACgAAAAoAAAAZAAAAGQAAAAAAAAAzMzMAAAAAABQAAAAUAAAAGQAAABkAAAAAAAAABcAAAAUAAAAAAAAAAAAAAD/fwAA/38AAAAAAAAJAAAABAAAAAAAAAAMAAAAEAAAAAAAAAAAAAAAAAAAAAAAAAAeAAAAaAAAAAAAAAAAAAAAAAAAAAAAAAAAAAAAECcAABAnAAAAAAAAAAAAAAAAAAAAAAAAAAAAAAAAAAAAAAAAAAAAABQAAAAAAAAAwMD/AAAAAABkAAAAMgAAAAAAAABkAAAAAAAAAH9/fwAKAAAAHwAAAFQAAAAeHh4A////AQAAAAAAAAAAAAAAAAAAAAAAAAAAAAAAAAAAAAAAAAAAAAAAAn9/fwCAgIADzMzMAMDA/wB/f38AAAAAAAAAAAAAAAAAAAAAAAAAAAAhAAAAGAAAABQAAAAAAAAAZQcAAEA4AAC4CAAAEAAAACYAAAAIAAAA//////////8="/>
               </a:ext>
             </a:extLst>
           </p:cNvSpPr>
@@ -7664,7 +7664,7 @@
           <p:cNvSpPr>
             <a:extLst>
               <a:ext uri="smNativeData">
-                <pr:smNativeData xmlns:pr="smNativeData" val="SMDATA_13_IrKAXRMAAAAlAAAACgAAAA8BAAAAkAAAAEgAAACQAAAASAAAAAAAAAAAAAAAAAAAAAEAAABQAAAAAAAAAAAA4D8AAAAAAADgPwAAAAAAAOA/AAAAAAAA4D8AAAAAAADgPwAAAAAAAOA/AAAAAAAA4D8AAAAAAADgPwAAAAAAAOA/AAAAAAAA4D8CAAAAjAAAAAAAAAAAAAAAu+DjDP///wgAAAAAAAAAAAAAAAAAAAAAAAAAAAAAAAAAAAAAZAAAAAEAAABAAAAAAAAAAAAAAAAAAAAAAAAAAAAAAAAAAAAAAAAAAAAAAAAAAAAAAAAAAAAAAAAAAAAAAAAAAAAAAAAAAAAAAAAAAAAAAAAAAAAAAAAAAAAAAAAAAAAAFAAAADwAAAABAAAAAAAAAFVVVQBQAAAAAQAAAAQAAAAAAAAAAAAAAAAAAAAAAAAAZAAAAGQAAAACAAAAZAAAAGQAAAAVAAAAYAAAAAAAAAAAAAAADwAAACADAAAAAAAAAAAAAAEAAACgMgAAAAAAAAAAAAABAAAAf39/AAEAAABkAAAAAAAAABQAAABAHwAAAAAAACYAAAAAAAAAwOD//wAAAAAmAAAAZAAAABYAAABMAAAAAAAAAAAAAAAEAAAAAAAAAAEAAACAgIAKAAAAACgAAAAoAAAAZAAAAGQAAAAAAAAAzMzMAAAAAABQAAAAUAAAAGQAAABkAAAAAAAAABcAAAAUAAAAAAAAAAAAAAD/fwAA/38AAAAAAAAJAAAABAAAAON4AAAMAAAAEAAAAAAAAAAAAAAAAAAAAAAAAAAeAAAAaAAAAAAAAAAAAAAAAAAAAAAAAAAAAAAAECcAABAnAAAAAAAAAAAAAAAAAAAAAAAAAAAAAAAAAAAAAAAAAAAAABQAAAAAAAAAwMD/AAAAAABkAAAAMgAAAAAAAABkAAAAAAAAAH9/fwAKAAAAHwAAAFQAAAC74OMF////AQAAAAAAAAAAAAAAAAAAAAAAAAAAAAAAAAAAAAAAAAAAVVVVAH9/fwCAgIADzMzMAMDA/wB/f38AAAAAAAAAAAAAAAAAAAAAAAAAAAAhAAAAGAAAABQAAAA3HAAA0g4AADkcAAB6EAAAEAAAACYAAAAIAAAA//////////8="/>
+                <pr:smNativeData xmlns:pr="smNativeData" val="SMDATA_13_gcGAXRMAAAAlAAAACgAAAA8BAAAAkAAAAEgAAACQAAAASAAAAAAAAAAAAAAAAAAAAAEAAABQAAAAAAAAAAAA4D8AAAAAAADgPwAAAAAAAOA/AAAAAAAA4D8AAAAAAADgPwAAAAAAAOA/AAAAAAAA4D8AAAAAAADgPwAAAAAAAOA/AAAAAAAA4D8CAAAAjAAAAAAAAAAAAAAAu+DjDP///wgAAAAAAAAAAAAAAAAAAAAAAAAAAAAAAAAAAAAAZAAAAAEAAABAAAAAAAAAAAAAAAAAAAAAAAAAAAAAAAAAAAAAAAAAAAAAAAAAAAAAAAAAAAAAAAAAAAAAAAAAAAAAAAAAAAAAAAAAAAAAAAAAAAAAAAAAAAAAAAAAAAAAFAAAADwAAAABAAAAAAAAAFVVVQBQAAAAAQAAAAQAAAAAAAAAAAAAAAAAAAAAAAAAZAAAAGQAAAACAAAAZAAAAGQAAAAVAAAAYAAAAAAAAAAAAAAADwAAACADAAAAAAAAAAAAAAEAAACgMgAAAAAAAAAAAAABAAAAf39/AAEAAABkAAAAAAAAABQAAABAHwAAAAAAACYAAAAAAAAAwOD//wAAAAAmAAAAZAAAABYAAABMAAAAAAAAAAAAAAAEAAAAAAAAAAEAAACAgIAKAAAAACgAAAAoAAAAZAAAAGQAAAAAAAAAzMzMAAAAAABQAAAAUAAAAGQAAABkAAAAAAAAABcAAAAUAAAAAAAAAAAAAAD/fwAA/38AAAAAAAAJAAAABAAAAON4AAAMAAAAEAAAAAAAAAAAAAAAAAAAAAAAAAAeAAAAaAAAAAAAAAAAAAAAAAAAAAAAAAAAAAAAECcAABAnAAAAAAAAAAAAAAAAAAAAAAAAAAAAAAAAAAAAAAAAAAAAABQAAAAAAAAAwMD/AAAAAABkAAAAMgAAAAAAAABkAAAAAAAAAH9/fwAKAAAAHwAAAFQAAAC74OMF////AQAAAAAAAAAAAAAAAAAAAAAAAAAAAAAAAAAAAAAAAAAAVVVVAH9/fwCAgIADzMzMAMDA/wB/f38AAAAAAAAAAAAAAAAAAAAAAAAAAAAhAAAAGAAAABQAAAA3HAAA0g4AADkcAAB6EAAAEAAAACYAAAAIAAAA//////////8="/>
               </a:ext>
             </a:extLst>
           </p:cNvSpPr>
@@ -7696,7 +7696,7 @@
           <p:cNvSpPr>
             <a:extLst>
               <a:ext uri="smNativeData">
-                <pr:smNativeData xmlns:pr="smNativeData" val="SMDATA_13_IrKAXRMAAAAlAAAACgAAAA8BAAAAkAAAAEgAAACQAAAASAAAAAAAAAAAAAAAAAAAAAEAAABQAAAAAAAAAAAA4D8AAAAAAADgPwAAAAAAAOA/AAAAAAAA4D8AAAAAAADgPwAAAAAAAOA/AAAAAAAA4D8AAAAAAADgPwAAAAAAAOA/AAAAAAAA4D8CAAAAjAAAAAAAAAAAAAAAu+DjDP///wgAAAAAAAAAAAAAAAAAAAAAAAAAAAAAAAAAAAAAZAAAAAEAAABAAAAAAAAAAAAAAAAAAAAAAAAAAAAAAAAAAAAAAAAAAAAAAAAAAAAAAAAAAAAAAAAAAAAAAAAAAAAAAAAAAAAAAAAAAAAAAAAAAAAAAAAAAAAAAAAAAAAAFAAAADwAAAABAAAAAAAAAFVVVQBQAAAAAQAAAAQAAAAAAAAAAAAAAAAAAAAAAAAAZAAAAGQAAAACAAAAZAAAAGQAAAAVAAAAYAAAAAAAAAAAAAAADwAAACADAAAAAAAAAAAAAAEAAACgMgAAAAAAAAAAAAABAAAAf39/AAEAAABkAAAAAAAAABQAAABAHwAAAAAAACYAAAAAAAAAwOD//wAAAAAmAAAAZAAAABYAAABMAAAAAAAAAAAAAAAEAAAAAAAAAAEAAACAgIAKAAAAACgAAAAoAAAAZAAAAGQAAAAAAAAAzMzMAAAAAABQAAAAUAAAAGQAAABkAAAAAAAAABcAAAAUAAAAAAAAAAAAAAD/fwAA/38AAAAAAAAJAAAABAAAAAAAAAAMAAAAEAAAAAAAAAAAAAAAAAAAAAAAAAAeAAAAaAAAAAAAAAAAAAAAAAAAAAAAAAAAAAAAECcAABAnAAAAAAAAAAAAAAAAAAAAAAAAAAAAAAAAAAAAAAAAAAAAABQAAAAAAAAAwMD/AAAAAABkAAAAMgAAAAAAAABkAAAAAAAAAH9/fwAKAAAAHwAAAFQAAAC74OMF////AQAAAAAAAAAAAAAAAAAAAAAAAAAAAAAAAAAAAAAAAAAAVVVVAH9/fwCAgIADzMzMAMDA/wB/f38AAAAAAAAAAAAAAAAAAAAAAAAAAAAhAAAAGAAAABQAAAD0FgAA9w4AAMAaAAA7EAAAEAAAACYAAAAIAAAA//////////8="/>
+                <pr:smNativeData xmlns:pr="smNativeData" val="SMDATA_13_gcGAXRMAAAAlAAAACgAAAA8BAAAAkAAAAEgAAACQAAAASAAAAAAAAAAAAAAAAAAAAAEAAABQAAAAAAAAAAAA4D8AAAAAAADgPwAAAAAAAOA/AAAAAAAA4D8AAAAAAADgPwAAAAAAAOA/AAAAAAAA4D8AAAAAAADgPwAAAAAAAOA/AAAAAAAA4D8CAAAAjAAAAAAAAAAAAAAAu+DjDP///wgAAAAAAAAAAAAAAAAAAAAAAAAAAAAAAAAAAAAAZAAAAAEAAABAAAAAAAAAAAAAAAAAAAAAAAAAAAAAAAAAAAAAAAAAAAAAAAAAAAAAAAAAAAAAAAAAAAAAAAAAAAAAAAAAAAAAAAAAAAAAAAAAAAAAAAAAAAAAAAAAAAAAFAAAADwAAAABAAAAAAAAAFVVVQBQAAAAAQAAAAQAAAAAAAAAAAAAAAAAAAAAAAAAZAAAAGQAAAACAAAAZAAAAGQAAAAVAAAAYAAAAAAAAAAAAAAADwAAACADAAAAAAAAAAAAAAEAAACgMgAAAAAAAAAAAAABAAAAf39/AAEAAABkAAAAAAAAABQAAABAHwAAAAAAACYAAAAAAAAAwOD//wAAAAAmAAAAZAAAABYAAABMAAAAAAAAAAAAAAAEAAAAAAAAAAEAAACAgIAKAAAAACgAAAAoAAAAZAAAAGQAAAAAAAAAzMzMAAAAAABQAAAAUAAAAGQAAABkAAAAAAAAABcAAAAUAAAAAAAAAAAAAAD/fwAA/38AAAAAAAAJAAAABAAAAAAAAAAMAAAAEAAAAAAAAAAAAAAAAAAAAAAAAAAeAAAAaAAAAAAAAAAAAAAAAAAAAAAAAAAAAAAAECcAABAnAAAAAAAAAAAAAAAAAAAAAAAAAAAAAAAAAAAAAAAAAAAAABQAAAAAAAAAwMD/AAAAAABkAAAAMgAAAAAAAABkAAAAAAAAAH9/fwAKAAAAHwAAAFQAAAC74OMF////AQAAAAAAAAAAAAAAAAAAAAAAAAAAAAAAAAAAAAAAAAAAVVVVAH9/fwCAgIADzMzMAMDA/wB/f38AAAAAAAAAAAAAAAAAAAAAAAAAAAAhAAAAGAAAABQAAAD0FgAA9w4AAMAaAAA7EAAAEAAAACYAAAAIAAAA//////////8="/>
               </a:ext>
             </a:extLst>
           </p:cNvSpPr>
@@ -7728,7 +7728,7 @@
           <p:cNvSpPr>
             <a:extLst>
               <a:ext uri="smNativeData">
-                <pr:smNativeData xmlns:pr="smNativeData" val="SMDATA_13_IrKAXRMAAAAlAAAACgAAAA8BAAAAkAAAAEgAAACQAAAASAAAAAAAAAAAAAAAAAAAAAEAAABQAAAAAAAAAAAA4D8AAAAAAADgPwAAAAAAAOA/AAAAAAAA4D8AAAAAAADgPwAAAAAAAOA/AAAAAAAA4D8AAAAAAADgPwAAAAAAAOA/AAAAAAAA4D8CAAAAjAAAAAAAAAAAAAAAu+DjDP///wgAAAAAAAAAAAAAAAAAAAAAAAAAAAAAAAAAAAAAZAAAAAEAAABAAAAAAAAAAAAAAAAAAAAAAAAAAAAAAAAAAAAAAAAAAAAAAAAAAAAAAAAAAAAAAAAAAAAAAAAAAAAAAAAAAAAAAAAAAAAAAAAAAAAAAAAAAAAAAAAAAAAAFAAAADwAAAABAAAAAAAAAFVVVQBQAAAAAQAAAAQAAAAAAAAAAAAAAAAAAAAAAAAAZAAAAGQAAAACAAAAZAAAAGQAAAAVAAAAYAAAAAAAAAAAAAAADwAAACADAAAAAAAAAAAAAAEAAACgMgAAAAAAAAAAAAABAAAAf39/AAEAAABkAAAAAAAAABQAAABAHwAAAAAAACYAAAAAAAAAwOD//wAAAAAmAAAAZAAAABYAAABMAAAAAAAAAAAAAAAEAAAAAAAAAAEAAACAgIAKAAAAACgAAAAoAAAAZAAAAGQAAAAAAAAAzMzMAAAAAABQAAAAUAAAAGQAAABkAAAAAAAAABcAAAAUAAAAAAAAAAAAAAD/fwAA/38AAAAAAAAJAAAABAAAAKh1iA4MAAAAEAAAAAAAAAAAAAAAAAAAAAAAAAAeAAAAaAAAAAAAAAAAAAAAAAAAAAAAAAAAAAAAECcAABAnAAAAAAAAAAAAAAAAAAAAAAAAAAAAAAAAAAAAAAAAAAAAABQAAAAAAAAAwMD/AAAAAABkAAAAMgAAAAAAAABkAAAAAAAAAH9/fwAKAAAAHwAAAFQAAAC74OMF////AQAAAAAAAAAAAAAAAAAAAAAAAAAAAAAAAAAAAAAAAAAAVVVVAH9/fwCAgIADzMzMAMDA/wB/f38AAAAAAAAAAAAAAAAAAAAAAAAAAAAhAAAAGAAAABQAAAACDwAA/xEAADAVAAA0FAAAEAAAACYAAAAIAAAA//////////8="/>
+                <pr:smNativeData xmlns:pr="smNativeData" val="SMDATA_13_gcGAXRMAAAAlAAAACgAAAA8BAAAAkAAAAEgAAACQAAAASAAAAAAAAAAAAAAAAAAAAAEAAABQAAAAAAAAAAAA4D8AAAAAAADgPwAAAAAAAOA/AAAAAAAA4D8AAAAAAADgPwAAAAAAAOA/AAAAAAAA4D8AAAAAAADgPwAAAAAAAOA/AAAAAAAA4D8CAAAAjAAAAAAAAAAAAAAAu+DjDP///wgAAAAAAAAAAAAAAAAAAAAAAAAAAAAAAAAAAAAAZAAAAAEAAABAAAAAAAAAAAAAAAAAAAAAAAAAAAAAAAAAAAAAAAAAAAAAAAAAAAAAAAAAAAAAAAAAAAAAAAAAAAAAAAAAAAAAAAAAAAAAAAAAAAAAAAAAAAAAAAAAAAAAFAAAADwAAAABAAAAAAAAAFVVVQBQAAAAAQAAAAQAAAAAAAAAAAAAAAAAAAAAAAAAZAAAAGQAAAACAAAAZAAAAGQAAAAVAAAAYAAAAAAAAAAAAAAADwAAACADAAAAAAAAAAAAAAEAAACgMgAAAAAAAAAAAAABAAAAf39/AAEAAABkAAAAAAAAABQAAABAHwAAAAAAACYAAAAAAAAAwOD//wAAAAAmAAAAZAAAABYAAABMAAAAAAAAAAAAAAAEAAAAAAAAAAEAAACAgIAKAAAAACgAAAAoAAAAZAAAAGQAAAAAAAAAzMzMAAAAAABQAAAAUAAAAGQAAABkAAAAAAAAABcAAAAUAAAAAAAAAAAAAAD/fwAA/38AAAAAAAAJAAAABAAAAKh1iA4MAAAAEAAAAAAAAAAAAAAAAAAAAAAAAAAeAAAAaAAAAAAAAAAAAAAAAAAAAAAAAAAAAAAAECcAABAnAAAAAAAAAAAAAAAAAAAAAAAAAAAAAAAAAAAAAAAAAAAAABQAAAAAAAAAwMD/AAAAAABkAAAAMgAAAAAAAABkAAAAAAAAAH9/fwAKAAAAHwAAAFQAAAC74OMF////AQAAAAAAAAAAAAAAAAAAAAAAAAAAAAAAAAAAAAAAAAAAVVVVAH9/fwCAgIADzMzMAMDA/wB/f38AAAAAAAAAAAAAAAAAAAAAAAAAAAAhAAAAGAAAABQAAAACDwAA/xEAADAVAAA0FAAAEAAAACYAAAAIAAAA//////////8="/>
               </a:ext>
             </a:extLst>
           </p:cNvSpPr>
@@ -7760,7 +7760,7 @@
           <p:cNvSpPr>
             <a:extLst>
               <a:ext uri="smNativeData">
-                <pr:smNativeData xmlns:pr="smNativeData" val="SMDATA_13_IrKAXRMAAAAlAAAACgAAAA8BAAAAkAAAAEgAAACQAAAASAAAAAAAAAAAAAAAAAAAAAEAAABQAAAAAAAAAAAA4D8AAAAAAADgPwAAAAAAAOA/AAAAAAAA4D8AAAAAAADgPwAAAAAAAOA/AAAAAAAA4D8AAAAAAADgPwAAAAAAAOA/AAAAAAAA4D8CAAAAjAAAAAAAAAAAAAAAu+DjDP///wgAAAAAAAAAAAAAAAAAAAAAAAAAAAAAAAAAAAAAZAAAAAEAAABAAAAAAAAAAAAAAAAAAAAAAAAAAAAAAAAAAAAAAAAAAAAAAAAAAAAAAAAAAAAAAAAAAAAAAAAAAAAAAAAAAAAAAAAAAAAAAAAAAAAAAAAAAAAAAAAAAAAAFAAAADwAAAABAAAAAAAAAFVVVQBQAAAAAQAAAAQAAAAAAAAAAAAAAAAAAAAAAAAAZAAAAGQAAAACAAAAZAAAAGQAAAAVAAAAYAAAAAAAAAAAAAAADwAAACADAAAAAAAAAAAAAAEAAACgMgAAAAAAAAAAAAABAAAAf39/AAEAAABkAAAAAAAAABQAAABAHwAAAAAAACYAAAAAAAAAwOD//wAAAAAmAAAAZAAAABYAAABMAAAAAAAAAAAAAAAEAAAAAAAAAAEAAACAgIAKAAAAACgAAAAoAAAAZAAAAGQAAAAAAAAAzMzMAAAAAABQAAAAUAAAAGQAAABkAAAAAAAAABcAAAAUAAAAAAAAAAAAAAD/fwAA/38AAAAAAAAJAAAABAAAAAEAAAAMAAAAEAAAAAAAAAAAAAAAAAAAAAAAAAAeAAAAaAAAAAAAAAAAAAAAAAAAAAAAAAAAAAAAECcAABAnAAAAAAAAAAAAAAAAAAAAAAAAAAAAAAAAAAAAAAAAAAAAABQAAAAAAAAAwMD/AAAAAABkAAAAMgAAAAAAAABkAAAAAAAAAH9/fwAKAAAAHwAAAFQAAAC74OMF////AQAAAAAAAAAAAAAAAAAAAAAAAAAAAAAAAAAAAAAAAAAAVVVVAH9/fwCAgIADzMzMAMDA/wB/f38AAAAAAAAAAAAAAAAAAAAAAAAAAAAhAAAAGAAAABQAAACQDgAAgBkAAJIOAACnIwAAEAAAACYAAAAIAAAA//////////8="/>
+                <pr:smNativeData xmlns:pr="smNativeData" val="SMDATA_13_gcGAXRMAAAAlAAAACgAAAA8BAAAAkAAAAEgAAACQAAAASAAAAAAAAAAAAAAAAAAAAAEAAABQAAAAAAAAAAAA4D8AAAAAAADgPwAAAAAAAOA/AAAAAAAA4D8AAAAAAADgPwAAAAAAAOA/AAAAAAAA4D8AAAAAAADgPwAAAAAAAOA/AAAAAAAA4D8CAAAAjAAAAAAAAAAAAAAAu+DjDP///wgAAAAAAAAAAAAAAAAAAAAAAAAAAAAAAAAAAAAAZAAAAAEAAABAAAAAAAAAAAAAAAAAAAAAAAAAAAAAAAAAAAAAAAAAAAAAAAAAAAAAAAAAAAAAAAAAAAAAAAAAAAAAAAAAAAAAAAAAAAAAAAAAAAAAAAAAAAAAAAAAAAAAFAAAADwAAAABAAAAAAAAAFVVVQBQAAAAAQAAAAQAAAAAAAAAAAAAAAAAAAAAAAAAZAAAAGQAAAACAAAAZAAAAGQAAAAVAAAAYAAAAAAAAAAAAAAADwAAACADAAAAAAAAAAAAAAEAAACgMgAAAAAAAAAAAAABAAAAf39/AAEAAABkAAAAAAAAABQAAABAHwAAAAAAACYAAAAAAAAAwOD//wAAAAAmAAAAZAAAABYAAABMAAAAAAAAAAAAAAAEAAAAAAAAAAEAAACAgIAKAAAAACgAAAAoAAAAZAAAAGQAAAAAAAAAzMzMAAAAAABQAAAAUAAAAGQAAABkAAAAAAAAABcAAAAUAAAAAAAAAAAAAAD/fwAA/38AAAAAAAAJAAAABAAAAAEAAAAMAAAAEAAAAAAAAAAAAAAAAAAAAAAAAAAeAAAAaAAAAAAAAAAAAAAAAAAAAAAAAAAAAAAAECcAABAnAAAAAAAAAAAAAAAAAAAAAAAAAAAAAAAAAAAAAAAAAAAAABQAAAAAAAAAwMD/AAAAAABkAAAAMgAAAAAAAABkAAAAAAAAAH9/fwAKAAAAHwAAAFQAAAC74OMF////AQAAAAAAAAAAAAAAAAAAAAAAAAAAAAAAAAAAAAAAAAAAVVVVAH9/fwCAgIADzMzMAMDA/wB/f38AAAAAAAAAAAAAAAAAAAAAAAAAAAAhAAAAGAAAABQAAACQDgAAgBkAAJIOAACnIwAAEAAAACYAAAAIAAAA//////////8="/>
               </a:ext>
             </a:extLst>
           </p:cNvSpPr>
@@ -7792,7 +7792,7 @@
           <p:cNvSpPr>
             <a:extLst>
               <a:ext uri="smNativeData">
-                <pr:smNativeData xmlns:pr="smNativeData" val="SMDATA_13_IrKAXRMAAAAlAAAACgAAAA8BAAAAkAAAAEgAAACQAAAASAAAAAAAAAAAAAAAAAAAAAEAAABQAAAAAAAAAAAA4D8AAAAAAADgPwAAAAAAAOA/AAAAAAAA4D8AAAAAAADgPwAAAAAAAOA/AAAAAAAA4D8AAAAAAADgPwAAAAAAAOA/AAAAAAAA4D8CAAAAjAAAAAAAAAAAAAAAu+DjDP///wgAAAAAAAAAAAAAAAAAAAAAAAAAAAAAAAAAAAAAZAAAAAEAAABAAAAAAAAAAAAAAAAAAAAAAAAAAAAAAAAAAAAAAAAAAAAAAAAAAAAAAAAAAAAAAAAAAAAAAAAAAAAAAAAAAAAAAAAAAAAAAAAAAAAAAAAAAAAAAAAAAAAAFAAAADwAAAABAAAAAAAAAFVVVQBQAAAAAQAAAAQAAAAAAAAAAAAAAAAAAAAAAAAAZAAAAGQAAAACAAAAZAAAAGQAAAAVAAAAYAAAAAAAAAAAAAAADwAAACADAAAAAAAAAAAAAAEAAACgMgAAAAAAAAAAAAABAAAAf39/AAEAAABkAAAAAAAAABQAAABAHwAAAAAAACYAAAAAAAAAwOD//wAAAAAmAAAAZAAAABYAAABMAAAAAAAAAAAAAAAEAAAAAAAAAAEAAACAgIAKAAAAACgAAAAoAAAAZAAAAGQAAAAAAAAAzMzMAAAAAABQAAAAUAAAAGQAAABkAAAAAAAAABcAAAAUAAAAAAAAAAAAAAD/fwAA/38AAAAAAAAJAAAABAAAAAEAAAAMAAAAEAAAAAAAAAAAAAAAAAAAAAAAAAAeAAAAaAAAAAAAAAAAAAAAAAAAAAAAAAAAAAAAECcAABAnAAAAAAAAAAAAAAAAAAAAAAAAAAAAAAAAAAAAAAAAAAAAABQAAAAAAAAAwMD/AAAAAABkAAAAMgAAAAAAAABkAAAAAAAAAH9/fwAKAAAAHwAAAFQAAAC74OMF////AQAAAAAAAAAAAAAAAAAAAAAAAAAAAAAAAAAAAAAAAAAAVVVVAH9/fwCAgIADzMzMAMDA/wB/f38AAAAAAAAAAAAAAAAAAAAAAAAAAAAhAAAAGAAAABQAAAA3HAAAjBkAADkcAAAyHAAAEAAAACYAAAAIAAAA//////////8="/>
+                <pr:smNativeData xmlns:pr="smNativeData" val="SMDATA_13_gcGAXRMAAAAlAAAACgAAAA8BAAAAkAAAAEgAAACQAAAASAAAAAAAAAAAAAAAAAAAAAEAAABQAAAAAAAAAAAA4D8AAAAAAADgPwAAAAAAAOA/AAAAAAAA4D8AAAAAAADgPwAAAAAAAOA/AAAAAAAA4D8AAAAAAADgPwAAAAAAAOA/AAAAAAAA4D8CAAAAjAAAAAAAAAAAAAAAu+DjDP///wgAAAAAAAAAAAAAAAAAAAAAAAAAAAAAAAAAAAAAZAAAAAEAAABAAAAAAAAAAAAAAAAAAAAAAAAAAAAAAAAAAAAAAAAAAAAAAAAAAAAAAAAAAAAAAAAAAAAAAAAAAAAAAAAAAAAAAAAAAAAAAAAAAAAAAAAAAAAAAAAAAAAAFAAAADwAAAABAAAAAAAAAFVVVQBQAAAAAQAAAAQAAAAAAAAAAAAAAAAAAAAAAAAAZAAAAGQAAAACAAAAZAAAAGQAAAAVAAAAYAAAAAAAAAAAAAAADwAAACADAAAAAAAAAAAAAAEAAACgMgAAAAAAAAAAAAABAAAAf39/AAEAAABkAAAAAAAAABQAAABAHwAAAAAAACYAAAAAAAAAwOD//wAAAAAmAAAAZAAAABYAAABMAAAAAAAAAAAAAAAEAAAAAAAAAAEAAACAgIAKAAAAACgAAAAoAAAAZAAAAGQAAAAAAAAAzMzMAAAAAABQAAAAUAAAAGQAAABkAAAAAAAAABcAAAAUAAAAAAAAAAAAAAD/fwAA/38AAAAAAAAJAAAABAAAAAEAAAAMAAAAEAAAAAAAAAAAAAAAAAAAAAAAAAAeAAAAaAAAAAAAAAAAAAAAAAAAAAAAAAAAAAAAECcAABAnAAAAAAAAAAAAAAAAAAAAAAAAAAAAAAAAAAAAAAAAAAAAABQAAAAAAAAAwMD/AAAAAABkAAAAMgAAAAAAAABkAAAAAAAAAH9/fwAKAAAAHwAAAFQAAAC74OMF////AQAAAAAAAAAAAAAAAAAAAAAAAAAAAAAAAAAAAAAAAAAAVVVVAH9/fwCAgIADzMzMAMDA/wB/f38AAAAAAAAAAAAAAAAAAAAAAAAAAAAhAAAAGAAAABQAAAA3HAAAjBkAADkcAAAyHAAAEAAAACYAAAAIAAAA//////////8="/>
               </a:ext>
             </a:extLst>
           </p:cNvSpPr>
@@ -7824,7 +7824,7 @@
           <p:cNvSpPr>
             <a:extLst>
               <a:ext uri="smNativeData">
-                <pr:smNativeData xmlns:pr="smNativeData" val="SMDATA_13_IrKAXRMAAAAlAAAACgAAAA8BAAAAkAAAAEgAAACQAAAASAAAAAAAAAAAAAAAAAAAAAEAAABQAAAAAAAAAAAA4D8AAAAAAADgPwAAAAAAAOA/AAAAAAAA4D8AAAAAAADgPwAAAAAAAOA/AAAAAAAA4D8AAAAAAADgPwAAAAAAAOA/AAAAAAAA4D8CAAAAjAAAAAAAAAAAAAAAu+DjDP///wgAAAAAAAAAAAAAAAAAAAAAAAAAAAAAAAAAAAAAZAAAAAEAAABAAAAAAAAAAAAAAAAAAAAAAAAAAAAAAAAAAAAAAAAAAAAAAAAAAAAAAAAAAAAAAAAAAAAAAAAAAAAAAAAAAAAAAAAAAAAAAAAAAAAAAAAAAAAAAAAAAAAAFAAAADwAAAABAAAAAAAAAFVVVQBQAAAAAQAAAAQAAAAAAAAAAAAAAAAAAAAAAAAAZAAAAGQAAAACAAAAZAAAAGQAAAAVAAAAYAAAAAAAAAAAAAAADwAAACADAAAAAAAAAAAAAAEAAACgMgAAAAAAAAAAAAABAAAAf39/AAEAAABkAAAAAAAAABQAAABAHwAAAAAAACYAAAAAAAAAwOD//wAAAAAmAAAAZAAAABYAAABMAAAAAAAAAAAAAAAEAAAAAAAAAAEAAACAgIAKAAAAACgAAAAoAAAAZAAAAGQAAAAAAAAAzMzMAAAAAABQAAAAUAAAAGQAAABkAAAAAAAAABcAAAAUAAAAAAAAAAAAAAD/fwAA/38AAAAAAAAJAAAABAAAAAEAAAAMAAAAEAAAAAAAAAAAAAAAAAAAAAAAAAAeAAAAaAAAAAAAAAAAAAAAAAAAAAAAAAAAAAAAECcAABAnAAAAAAAAAAAAAAAAAAAAAAAAAAAAAAAAAAAAAAAAAAAAABQAAAAAAAAAwMD/AAAAAABkAAAAMgAAAAAAAABkAAAAAAAAAH9/fwAKAAAAHwAAAFQAAAC74OMF////AQAAAAAAAAAAAAAAAAAAAAAAAAAAAAAAAAAAAAAAAAAAVVVVAH9/fwCAgIADzMzMAMDA/wB/f38AAAAAAAAAAAAAAAAAAAAAAAAAAAAhAAAAGAAAABQAAAAfHAAAcBIAACEcAAAYFAAAEAAAACYAAAAIAAAA//////////8="/>
+                <pr:smNativeData xmlns:pr="smNativeData" val="SMDATA_13_gcGAXRMAAAAlAAAACgAAAA8BAAAAkAAAAEgAAACQAAAASAAAAAAAAAAAAAAAAAAAAAEAAABQAAAAAAAAAAAA4D8AAAAAAADgPwAAAAAAAOA/AAAAAAAA4D8AAAAAAADgPwAAAAAAAOA/AAAAAAAA4D8AAAAAAADgPwAAAAAAAOA/AAAAAAAA4D8CAAAAjAAAAAAAAAAAAAAAu+DjDP///wgAAAAAAAAAAAAAAAAAAAAAAAAAAAAAAAAAAAAAZAAAAAEAAABAAAAAAAAAAAAAAAAAAAAAAAAAAAAAAAAAAAAAAAAAAAAAAAAAAAAAAAAAAAAAAAAAAAAAAAAAAAAAAAAAAAAAAAAAAAAAAAAAAAAAAAAAAAAAAAAAAAAAFAAAADwAAAABAAAAAAAAAFVVVQBQAAAAAQAAAAQAAAAAAAAAAAAAAAAAAAAAAAAAZAAAAGQAAAACAAAAZAAAAGQAAAAVAAAAYAAAAAAAAAAAAAAADwAAACADAAAAAAAAAAAAAAEAAACgMgAAAAAAAAAAAAABAAAAf39/AAEAAABkAAAAAAAAABQAAABAHwAAAAAAACYAAAAAAAAAwOD//wAAAAAmAAAAZAAAABYAAABMAAAAAAAAAAAAAAAEAAAAAAAAAAEAAACAgIAKAAAAACgAAAAoAAAAZAAAAGQAAAAAAAAAzMzMAAAAAABQAAAAUAAAAGQAAABkAAAAAAAAABcAAAAUAAAAAAAAAAAAAAD/fwAA/38AAAAAAAAJAAAABAAAAAEAAAAMAAAAEAAAAAAAAAAAAAAAAAAAAAAAAAAeAAAAaAAAAAAAAAAAAAAAAAAAAAAAAAAAAAAAECcAABAnAAAAAAAAAAAAAAAAAAAAAAAAAAAAAAAAAAAAAAAAAAAAABQAAAAAAAAAwMD/AAAAAABkAAAAMgAAAAAAAABkAAAAAAAAAH9/fwAKAAAAHwAAAFQAAAC74OMF////AQAAAAAAAAAAAAAAAAAAAAAAAAAAAAAAAAAAAAAAAAAAVVVVAH9/fwCAgIADzMzMAMDA/wB/f38AAAAAAAAAAAAAAAAAAAAAAAAAAAAhAAAAGAAAABQAAAAfHAAAcBIAACEcAAAYFAAAEAAAACYAAAAIAAAA//////////8="/>
               </a:ext>
             </a:extLst>
           </p:cNvSpPr>
@@ -7856,7 +7856,7 @@
           <p:cNvSpPr>
             <a:extLst>
               <a:ext uri="smNativeData">
-                <pr:smNativeData xmlns:pr="smNativeData" val="SMDATA_13_IrKAXRMAAAAlAAAAZAAAAA8BAAAAkAAAAEgAAACQAAAASAAAAAAAAAABAAAAAAAAAAEAAABQAAAAAAAAAAAA4D8AAAAAAADgPwAAAAAAAOA/AAAAAAAA4D8AAAAAAADgPwAAAAAAAOA/AAAAAAAA4D8AAAAAAADgPwAAAAAAAOA/AAAAAAAA4D8CAAAAjAAAAAAAAAAAAAAAu+DjDP///wgAAAAAAAAAAAAAAAAAAAAAAAAAAAAAAAAAAAAAZAAAAAEAAABAAAAAAAAAAAAAAAAAAAAAAAAAAAAAAAAAAAAAAAAAAAAAAAAAAAAAAAAAAAAAAAAAAAAAAAAAAAAAAAAAAAAAAAAAAAAAAAAAAAAAAAAAAAAAAAAAAAAAFAAAADwAAAAAAAAAAAAAAAAAAAkUAAAAAQAAABQAAAAUAAAAFAAAAAEAAAAAAAAAZAAAAGQAAAAAAAAAZAAAAGQAAAAVAAAAYAAAAAAAAAAAAAAADwAAACADAAAAAAAAAAAAAAEAAACgMgAAVgcAAKr4//8BAAAAf39/AAEAAABkAAAAAAAAABQAAABAHwAAAAAAACYAAAAAAAAAwOD//wAAAAAmAAAAZAAAABYAAABMAAAAAAAAAAAAAAAEAAAAAAAAAAEAAACAgIAKAAAAACgAAAAoAAAAZAAAAGQAAAAAAAAAzMzMAAAAAABQAAAAUAAAAGQAAABkAAAAAAAAABcAAAAUAAAAAAAAAAAAAAD/fwAA/38AAAAAAAAJAAAABAAAAAEAAAAMAAAAEAAAAAAAAAAAAAAAAAAAAAAAAAAeAAAAaAAAAAAAAAAAAAAAAAAAAAAAAAAAAAAAECcAABAnAAAAAAAAAAAAAAAAAAAAAAAAAAAAAAAAAAAAAAAAAAAAABQAAAAAAAAAwMD/AAAAAABkAAAAMgAAAAAAAABkAAAAAAAAAH9/fwAKAAAAHwAAAFQAAAC74OMF////AQAAAAAAAAAAAAAAAAAAAAAAAAAAAAAAAAAAAAAAAAAAAAAAAn9/fwCAgIADzMzMAMDA/wB/f38AAAAAAAAAAAAAAAAAAAAAAAAAAAAhAAAAGAAAABQAAABqBAAAiAMAABY0AAAoBwAAEAAAACYAAAAIAAAA//////////8="/>
+                <pr:smNativeData xmlns:pr="smNativeData" val="SMDATA_13_gcGAXRMAAAAlAAAAZAAAAA8BAAAAkAAAAEgAAACQAAAASAAAAAAAAAABAAAAAAAAAAEAAABQAAAAAAAAAAAA4D8AAAAAAADgPwAAAAAAAOA/AAAAAAAA4D8AAAAAAADgPwAAAAAAAOA/AAAAAAAA4D8AAAAAAADgPwAAAAAAAOA/AAAAAAAA4D8CAAAAjAAAAAAAAAAAAAAAu+DjDP///wgAAAAAAAAAAAAAAAAAAAAAAAAAAAAAAAAAAAAAZAAAAAEAAABAAAAAAAAAAAAAAAAAAAAAAAAAAAAAAAAAAAAAAAAAAAAAAAAAAAAAAAAAAAAAAAAAAAAAAAAAAAAAAAAAAAAAAAAAAAAAAAAAAAAAAAAAAAAAAAAAAAAAFAAAADwAAAAAAAAAAAAAAAAAAAkUAAAAAQAAABQAAAAUAAAAFAAAAAEAAAAAAAAAZAAAAGQAAAAAAAAAZAAAAGQAAAAVAAAAYAAAAAAAAAAAAAAADwAAACADAAAAAAAAAAAAAAEAAACgMgAAVgcAAKr4//8BAAAAf39/AAEAAABkAAAAAAAAABQAAABAHwAAAAAAACYAAAAAAAAAwOD//wAAAAAmAAAAZAAAABYAAABMAAAAAAAAAAAAAAAEAAAAAAAAAAEAAACAgIAKAAAAACgAAAAoAAAAZAAAAGQAAAAAAAAAzMzMAAAAAABQAAAAUAAAAGQAAABkAAAAAAAAABcAAAAUAAAAAAAAAAAAAAD/fwAA/38AAAAAAAAJAAAABAAAAAEAAAAMAAAAEAAAAAAAAAAAAAAAAAAAAAAAAAAeAAAAaAAAAAAAAAAAAAAAAAAAAAAAAAAAAAAAECcAABAnAAAAAAAAAAAAAAAAAAAAAAAAAAAAAAAAAAAAAAAAAAAAABQAAAAAAAAAwMD/AAAAAABkAAAAMgAAAAAAAABkAAAAAAAAAH9/fwAKAAAAHwAAAFQAAAC74OMF////AQAAAAAAAAAAAAAAAAAAAAAAAAAAAAAAAAAAAAAAAAAAAAAAAn9/fwCAgIADzMzMAMDA/wB/f38AAAAAAAAAAAAAAAAAAAAAAAAAAAAhAAAAGAAAABQAAABqBAAAiAMAABY0AAAoBwAAEAAAACYAAAAIAAAA//////////8="/>
               </a:ext>
             </a:extLst>
           </p:cNvSpPr>
@@ -7902,7 +7902,7 @@
           <p:cNvSpPr>
             <a:extLst>
               <a:ext uri="smNativeData">
-                <pr:smNativeData xmlns:pr="smNativeData" val="SMDATA_13_IrKAXRMAAAAlAAAAZAAAAA8BAAAAkAAAAEgAAACQAAAASAAAAAAAAAAAAAAAAAAAAAEAAABQAAAAAAAAAAAA4D8AAAAAAADgPwAAAAAAAOA/AAAAAAAA4D8AAAAAAADgPwAAAAAAAOA/AAAAAAAA4D8AAAAAAADgPwAAAAAAAOA/AAAAAAAA4D8CAAAAjAAAAAAAAAAAAAAAu+DjDP///wgAAAAAAAAAAAAAAAAAAAAAAAAAAAAAAAAAAAAAZAAAAAEAAABAAAAAAAAAAAAAAAAAAAAAAAAAAAAAAAAAAAAAAAAAAAAAAAAAAAAAAAAAAAAAAAAAAAAAAAAAAAAAAAAAAAAAAAAAAAAAAAAAAAAAAAAAAAAAAAAAAAAAFAAAADwAAAABAAAAAAAAAB4eHgB4AAAAAQAAAAYAAAAAAAAAAAAAAAAAAAAAAAAAZAAAAGQAAAAAAAAAZAAAAGQAAAAVAAAAYAAAAAAAAAAAAAAADwAAACADAAAAAAAAAAAAAAEAAACgMgAAAAAAAAAAAAABAAAAf39/AAEAAABkAAAAAAAAABQAAABAHwAAAAAAACYAAAAAAAAAwOD//wAAAAAmAAAAZAAAABYAAABMAAAAAAAAAAAAAAAEAAAAAAAAAAEAAACAgIAKAAAAACgAAAAoAAAAZAAAAGQAAAAAAAAAzMzMAAAAAABQAAAAUAAAAGQAAABkAAAAAAAAABcAAAAUAAAAAAAAAAAAAAD/fwAA/38AAAAAAAAJAAAABAAAAAEAAAAMAAAAEAAAAAAAAAAAAAAAAAAAAAAAAAAeAAAAaAAAAAAAAAAAAAAAAAAAAAAAAAAAAAAAECcAABAnAAAAAAAAAAAAAAAAAAAAAAAAAAAAAAAAAAAAAAAAPAAAABQAAAAoAAAAHh4eAAAAAABkAAAAMgAAAAAAAABkAAAAAAAAAH9/fwAKAAAAHwAAAFQAAAC74OMF////AQAAAAAAAAAAAAAAAAAAAAAAAAAAAAAAAAAAAAAAAAAAHh4eAH9/fwCAgIADzMzMAB4eHgB/f38AAAAAAAAAAAAAAAAAAAAAAAAAAAAhAAAAGAAAABQAAADMGQAADQoAAKceAADoDgAAEAAAACYAAAAIAAAA//////////8="/>
+                <pr:smNativeData xmlns:pr="smNativeData" val="SMDATA_13_gcGAXRMAAAAlAAAAZAAAAA8BAAAAkAAAAEgAAACQAAAASAAAAAAAAAAAAAAAAAAAAAEAAABQAAAAAAAAAAAA4D8AAAAAAADgPwAAAAAAAOA/AAAAAAAA4D8AAAAAAADgPwAAAAAAAOA/AAAAAAAA4D8AAAAAAADgPwAAAAAAAOA/AAAAAAAA4D8CAAAAjAAAAAAAAAAAAAAAu+DjDP///wgAAAAAAAAAAAAAAAAAAAAAAAAAAAAAAAAAAAAAZAAAAAEAAABAAAAAAAAAAAAAAAAAAAAAAAAAAAAAAAAAAAAAAAAAAAAAAAAAAAAAAAAAAAAAAAAAAAAAAAAAAAAAAAAAAAAAAAAAAAAAAAAAAAAAAAAAAAAAAAAAAAAAFAAAADwAAAABAAAAAAAAAB4eHgB4AAAAAQAAAAYAAAAAAAAAAAAAAAAAAAAAAAAAZAAAAGQAAAAAAAAAZAAAAGQAAAAVAAAAYAAAAAAAAAAAAAAADwAAACADAAAAAAAAAAAAAAEAAACgMgAAAAAAAAAAAAABAAAAf39/AAEAAABkAAAAAAAAABQAAABAHwAAAAAAACYAAAAAAAAAwOD//wAAAAAmAAAAZAAAABYAAABMAAAAAAAAAAAAAAAEAAAAAAAAAAEAAACAgIAKAAAAACgAAAAoAAAAZAAAAGQAAAAAAAAAzMzMAAAAAABQAAAAUAAAAGQAAABkAAAAAAAAABcAAAAUAAAAAAAAAAAAAAD/fwAA/38AAAAAAAAJAAAABAAAAAEAAAAMAAAAEAAAAAAAAAAAAAAAAAAAAAAAAAAeAAAAaAAAAAAAAAAAAAAAAAAAAAAAAAAAAAAAECcAABAnAAAAAAAAAAAAAAAAAAAAAAAAAAAAAAAAAAAAAAAAPAAAABQAAAAoAAAAHh4eAAAAAABkAAAAMgAAAAAAAABkAAAAAAAAAH9/fwAKAAAAHwAAAFQAAAC74OMF////AQAAAAAAAAAAAAAAAAAAAAAAAAAAAAAAAAAAAAAAAAAAHh4eAH9/fwCAgIADzMzMAB4eHgB/f38AAAAAAAAAAAAAAAAAAAAAAAAAAAAhAAAAGAAAABQAAADMGQAADQoAAKceAADoDgAAEAAAACYAAAAIAAAA//////////8="/>
               </a:ext>
             </a:extLst>
           </p:cNvSpPr>
@@ -7941,7 +7941,7 @@
           <p:cNvSpPr>
             <a:extLst>
               <a:ext uri="smNativeData">
-                <pr:smNativeData xmlns:pr="smNativeData" val="SMDATA_13_IrKAXRMAAAAlAAAAZAAAAA8BAAAAkAAAAEgAAACQAAAASAAAAAAAAAAAAAAAAAAAAAEAAABQAAAAAAAAAAAA4D8AAAAAAADgPwAAAAAAAOA/AAAAAAAA4D8AAAAAAADgPwAAAAAAAOA/AAAAAAAA4D8AAAAAAADgPwAAAAAAAOA/AAAAAAAA4D8CAAAAjAAAAAAAAAAAAAAAu+DjDP///wgAAAAAAAAAAAAAAAAAAAAAAAAAAAAAAAAAAAAAZAAAAAEAAABAAAAAAAAAAAAAAAAAAAAAAAAAAAAAAAAAAAAAAAAAAAAAAAAAAAAAAAAAAAAAAAAAAAAAAAAAAAAAAAAAAAAAAAAAAAAAAAAAAAAAAAAAAAAAAAAAAAAAFAAAADwAAAABAAAAAAAAAB4eHgB4AAAAAQAAAAYAAAAAAAAAAAAAAAAAAAAAAAAAZAAAAGQAAAAAAAAAZAAAAGQAAAAVAAAAYAAAAAAAAAAAAAAADwAAACADAAAAAAAAAAAAAAEAAACgMgAAAAAAAAAAAAABAAAAf39/AAEAAABkAAAAAAAAABQAAABAHwAAAAAAACYAAAAAAAAAwOD//wAAAAAmAAAAZAAAABYAAABMAAAAAAAAAAAAAAAEAAAAAAAAAAEAAACAgIAKAAAAACgAAAAoAAAAZAAAAGQAAAAAAAAAzMzMAAAAAABQAAAAUAAAAGQAAABkAAAAAAAAABcAAAAUAAAAAAAAAAAAAAD/fwAA/38AAAAAAAAJAAAABAAAAAEAAAAMAAAAEAAAAAAAAAAAAAAAAAAAAAAAAAAeAAAAaAAAAAAAAAAAAAAAAAAAAAAAAAAAAAAAECcAABAnAAAAAAAAAAAAAAAAAAAAAAAAAAAAAAAAAAAAAAAAPAAAABQAAAAoAAAAHh4eAAAAAABkAAAAMgAAAAAAAABkAAAAAAAAAH9/fwAKAAAAHwAAAFQAAAC74OMF////AQAAAAAAAAAAAAAAAAAAAAAAAAAAAAAAAAAAAAAAAAAAHh4eAH9/fwCAgIADzMzMAB4eHgB/f38AAAAAAAAAAAAAAAAAAAAAAAAAAAAhAAAAGAAAABQAAADMGQAApRQAAKceAACAGQAAEAAAACYAAAAIAAAA//////////8="/>
+                <pr:smNativeData xmlns:pr="smNativeData" val="SMDATA_13_gcGAXRMAAAAlAAAAZAAAAA8BAAAAkAAAAEgAAACQAAAASAAAAAAAAAAAAAAAAAAAAAEAAABQAAAAAAAAAAAA4D8AAAAAAADgPwAAAAAAAOA/AAAAAAAA4D8AAAAAAADgPwAAAAAAAOA/AAAAAAAA4D8AAAAAAADgPwAAAAAAAOA/AAAAAAAA4D8CAAAAjAAAAAAAAAAAAAAAu+DjDP///wgAAAAAAAAAAAAAAAAAAAAAAAAAAAAAAAAAAAAAZAAAAAEAAABAAAAAAAAAAAAAAAAAAAAAAAAAAAAAAAAAAAAAAAAAAAAAAAAAAAAAAAAAAAAAAAAAAAAAAAAAAAAAAAAAAAAAAAAAAAAAAAAAAAAAAAAAAAAAAAAAAAAAFAAAADwAAAABAAAAAAAAAB4eHgB4AAAAAQAAAAYAAAAAAAAAAAAAAAAAAAAAAAAAZAAAAGQAAAAAAAAAZAAAAGQAAAAVAAAAYAAAAAAAAAAAAAAADwAAACADAAAAAAAAAAAAAAEAAACgMgAAAAAAAAAAAAABAAAAf39/AAEAAABkAAAAAAAAABQAAABAHwAAAAAAACYAAAAAAAAAwOD//wAAAAAmAAAAZAAAABYAAABMAAAAAAAAAAAAAAAEAAAAAAAAAAEAAACAgIAKAAAAACgAAAAoAAAAZAAAAGQAAAAAAAAAzMzMAAAAAABQAAAAUAAAAGQAAABkAAAAAAAAABcAAAAUAAAAAAAAAAAAAAD/fwAA/38AAAAAAAAJAAAABAAAAAEAAAAMAAAAEAAAAAAAAAAAAAAAAAAAAAAAAAAeAAAAaAAAAAAAAAAAAAAAAAAAAAAAAAAAAAAAECcAABAnAAAAAAAAAAAAAAAAAAAAAAAAAAAAAAAAAAAAAAAAPAAAABQAAAAoAAAAHh4eAAAAAABkAAAAMgAAAAAAAABkAAAAAAAAAH9/fwAKAAAAHwAAAFQAAAC74OMF////AQAAAAAAAAAAAAAAAAAAAAAAAAAAAAAAAAAAAAAAAAAAHh4eAH9/fwCAgIADzMzMAB4eHgB/f38AAAAAAAAAAAAAAAAAAAAAAAAAAAAhAAAAGAAAABQAAADMGQAApRQAAKceAACAGQAAEAAAACYAAAAIAAAA//////////8="/>
               </a:ext>
             </a:extLst>
           </p:cNvSpPr>
@@ -7980,7 +7980,7 @@
           <p:cNvSpPr>
             <a:extLst>
               <a:ext uri="smNativeData">
-                <pr:smNativeData xmlns:pr="smNativeData" val="SMDATA_13_IrKAXRMAAAAlAAAAZAAAAA8BAAAAkAAAAEgAAACQAAAASAAAAAAAAAAAAAAAAAAAAAEAAABQAAAAAAAAAAAA4D8AAAAAAADgPwAAAAAAAOA/AAAAAAAA4D8AAAAAAADgPwAAAAAAAOA/AAAAAAAA4D8AAAAAAADgPwAAAAAAAOA/AAAAAAAA4D8CAAAAjAAAAAAAAAAAAAAAu+DjDP///wgAAAAAAAAAAAAAAAAAAAAAAAAAAAAAAAAAAAAAZAAAAAEAAABAAAAAAAAAAAAAAAAAAAAAAAAAAAAAAAAAAAAAAAAAAAAAAAAAAAAAAAAAAAAAAAAAAAAAAAAAAAAAAAAAAAAAAAAAAAAAAAAAAAAAAAAAAAAAAAAAAAAAFAAAADwAAAABAAAAAAAAAB4eHgB4AAAAAQAAAAYAAAAAAAAAAAAAAAAAAAAAAAAAZAAAAGQAAAAAAAAAZAAAAGQAAAAVAAAAYAAAAAAAAAAAAAAADwAAACADAAAAAAAAAAAAAAEAAACgMgAAAAAAAAAAAAABAAAAf39/AAEAAABkAAAAAAAAABQAAABAHwAAAAAAACYAAAAAAAAAwOD//wAAAAAmAAAAZAAAABYAAABMAAAAAAAAAAAAAAAEAAAAAAAAAAEAAACAgIAKAAAAACgAAAAoAAAAZAAAAGQAAAAAAAAAzMzMAAAAAABQAAAAUAAAAGQAAABkAAAAAAAAABcAAAAUAAAAAAAAAAAAAAD/fwAA/38AAAAAAAAJAAAABAAAAAEAAAAMAAAAEAAAAAAAAAAAAAAAAAAAAAAAAAAeAAAAaAAAAAAAAAAAAAAAAAAAAAAAAAAAAAAAECcAABAnAAAAAAAAAAAAAAAAAAAAAAAAAAAAAAAAAAAAAAAAPAAAABQAAAAoAAAAHh4eAAAAAABkAAAAMgAAAAAAAABkAAAAAAAAAH9/fwAKAAAAHwAAAFQAAAC74OMF////AQAAAAAAAAAAAAAAAAAAAAAAAAAAAAAAAAAAAAAAAAAAHh4eAH9/fwCAgIADzMzMAB4eHgB/f38AAAAAAAAAAAAAAAAAAAAAAAAAAAAhAAAAGAAAABQAAADMGQAAZRwAAKceAABAIQAAEAAAACYAAAAIAAAA//////////8="/>
+                <pr:smNativeData xmlns:pr="smNativeData" val="SMDATA_13_gcGAXRMAAAAlAAAAZAAAAA8BAAAAkAAAAEgAAACQAAAASAAAAAAAAAAAAAAAAAAAAAEAAABQAAAAAAAAAAAA4D8AAAAAAADgPwAAAAAAAOA/AAAAAAAA4D8AAAAAAADgPwAAAAAAAOA/AAAAAAAA4D8AAAAAAADgPwAAAAAAAOA/AAAAAAAA4D8CAAAAjAAAAAAAAAAAAAAAu+DjDP///wgAAAAAAAAAAAAAAAAAAAAAAAAAAAAAAAAAAAAAZAAAAAEAAABAAAAAAAAAAAAAAAAAAAAAAAAAAAAAAAAAAAAAAAAAAAAAAAAAAAAAAAAAAAAAAAAAAAAAAAAAAAAAAAAAAAAAAAAAAAAAAAAAAAAAAAAAAAAAAAAAAAAAFAAAADwAAAABAAAAAAAAAB4eHgB4AAAAAQAAAAYAAAAAAAAAAAAAAAAAAAAAAAAAZAAAAGQAAAAAAAAAZAAAAGQAAAAVAAAAYAAAAAAAAAAAAAAADwAAACADAAAAAAAAAAAAAAEAAACgMgAAAAAAAAAAAAABAAAAf39/AAEAAABkAAAAAAAAABQAAABAHwAAAAAAACYAAAAAAAAAwOD//wAAAAAmAAAAZAAAABYAAABMAAAAAAAAAAAAAAAEAAAAAAAAAAEAAACAgIAKAAAAACgAAAAoAAAAZAAAAGQAAAAAAAAAzMzMAAAAAABQAAAAUAAAAGQAAABkAAAAAAAAABcAAAAUAAAAAAAAAAAAAAD/fwAA/38AAAAAAAAJAAAABAAAAAEAAAAMAAAAEAAAAAAAAAAAAAAAAAAAAAAAAAAeAAAAaAAAAAAAAAAAAAAAAAAAAAAAAAAAAAAAECcAABAnAAAAAAAAAAAAAAAAAAAAAAAAAAAAAAAAAAAAAAAAPAAAABQAAAAoAAAAHh4eAAAAAABkAAAAMgAAAAAAAABkAAAAAAAAAH9/fwAKAAAAHwAAAFQAAAC74OMF////AQAAAAAAAAAAAAAAAAAAAAAAAAAAAAAAAAAAAAAAAAAAHh4eAH9/fwCAgIADzMzMAB4eHgB/f38AAAAAAAAAAAAAAAAAAAAAAAAAAAAhAAAAGAAAABQAAADMGQAAZRwAAKceAABAIQAAEAAAACYAAAAIAAAA//////////8="/>
               </a:ext>
             </a:extLst>
           </p:cNvSpPr>
@@ -8019,7 +8019,7 @@
           <p:cNvSpPr>
             <a:extLst>
               <a:ext uri="smNativeData">
-                <pr:smNativeData xmlns:pr="smNativeData" val="SMDATA_13_IrKAXRMAAAAlAAAAZAAAAA8BAAAAkAAAAEgAAACQAAAASAAAAAAAAAAAAAAAAAAAAAEAAABQAAAAAAAAAAAA4D8AAAAAAADgPwAAAAAAAOA/AAAAAAAA4D8AAAAAAADgPwAAAAAAAOA/AAAAAAAA4D8AAAAAAADgPwAAAAAAAOA/AAAAAAAA4D8CAAAAjAAAAAAAAAAAAAAAu+DjDP///wgAAAAAAAAAAAAAAAAAAAAAAAAAAAAAAAAAAAAAZAAAAAEAAABAAAAAAAAAAAAAAAAAAAAAAAAAAAAAAAAAAAAAAAAAAAAAAAAAAAAAAAAAAAAAAAAAAAAAAAAAAAAAAAAAAAAAAAAAAAAAAAAAAAAAAAAAAAAAAAAAAAAAFAAAADwAAAABAAAAAAAAAB4eHgB4AAAAAQAAAAYAAAAAAAAAAAAAAAAAAAAAAAAAZAAAAGQAAAAAAAAAZAAAAGQAAAAVAAAAYAAAAAAAAAAAAAAADwAAACADAAAAAAAAAAAAAAEAAACgMgAAAAAAAAAAAAABAAAAf39/AAEAAABkAAAAAAAAABQAAABAHwAAAAAAACYAAAAAAAAAwOD//wAAAAAmAAAAZAAAABYAAABMAAAAAAAAAAAAAAAEAAAAAAAAAAEAAACAgIAKAAAAACgAAAAoAAAAZAAAAGQAAAAAAAAAzMzMAAAAAABQAAAAUAAAAGQAAABkAAAAAAAAABcAAAAUAAAAAAAAAAAAAAD/fwAA/38AAAAAAAAJAAAABAAAAAEAAAAMAAAAEAAAAAAAAAAAAAAAAAAAAAAAAAAeAAAAaAAAAAAAAAAAAAAAAAAAAAAAAAAAAAAAECcAABAnAAAAAAAAAAAAAAAAAAAAAAAAAAAAAAAAAAAAAAAAPAAAABQAAAAoAAAAHh4eAAAAAABkAAAAMgAAAAAAAABkAAAAAAAAAH9/fwAKAAAAHwAAAFQAAAC74OMF////AQAAAAAAAAAAAAAAAAAAAAAAAAAAAAAAAAAAAAAAAAAAHh4eAH9/fwCAgIADzMzMAB4eHgB/f38AAAAAAAAAAAAAAAAAAAAAAAAAAAAhAAAAGAAAABQAAAA3DAAAGCQAABIRAADzKAAAEAAAACYAAAAIAAAA//////////8="/>
+                <pr:smNativeData xmlns:pr="smNativeData" val="SMDATA_13_gcGAXRMAAAAlAAAAZAAAAA8BAAAAkAAAAEgAAACQAAAASAAAAAAAAAAAAAAAAAAAAAEAAABQAAAAAAAAAAAA4D8AAAAAAADgPwAAAAAAAOA/AAAAAAAA4D8AAAAAAADgPwAAAAAAAOA/AAAAAAAA4D8AAAAAAADgPwAAAAAAAOA/AAAAAAAA4D8CAAAAjAAAAAAAAAAAAAAAu+DjDP///wgAAAAAAAAAAAAAAAAAAAAAAAAAAAAAAAAAAAAAZAAAAAEAAABAAAAAAAAAAAAAAAAAAAAAAAAAAAAAAAAAAAAAAAAAAAAAAAAAAAAAAAAAAAAAAAAAAAAAAAAAAAAAAAAAAAAAAAAAAAAAAAAAAAAAAAAAAAAAAAAAAAAAFAAAADwAAAABAAAAAAAAAB4eHgB4AAAAAQAAAAYAAAAAAAAAAAAAAAAAAAAAAAAAZAAAAGQAAAAAAAAAZAAAAGQAAAAVAAAAYAAAAAAAAAAAAAAADwAAACADAAAAAAAAAAAAAAEAAACgMgAAAAAAAAAAAAABAAAAf39/AAEAAABkAAAAAAAAABQAAABAHwAAAAAAACYAAAAAAAAAwOD//wAAAAAmAAAAZAAAABYAAABMAAAAAAAAAAAAAAAEAAAAAAAAAAEAAACAgIAKAAAAACgAAAAoAAAAZAAAAGQAAAAAAAAAzMzMAAAAAABQAAAAUAAAAGQAAABkAAAAAAAAABcAAAAUAAAAAAAAAAAAAAD/fwAA/38AAAAAAAAJAAAABAAAAAEAAAAMAAAAEAAAAAAAAAAAAAAAAAAAAAAAAAAeAAAAaAAAAAAAAAAAAAAAAAAAAAAAAAAAAAAAECcAABAnAAAAAAAAAAAAAAAAAAAAAAAAAAAAAAAAAAAAAAAAPAAAABQAAAAoAAAAHh4eAAAAAABkAAAAMgAAAAAAAABkAAAAAAAAAH9/fwAKAAAAHwAAAFQAAAC74OMF////AQAAAAAAAAAAAAAAAAAAAAAAAAAAAAAAAAAAAAAAAAAAHh4eAH9/fwCAgIADzMzMAB4eHgB/f38AAAAAAAAAAAAAAAAAAAAAAAAAAAAhAAAAGAAAABQAAAA3DAAAGCQAABIRAADzKAAAEAAAACYAAAAIAAAA//////////8="/>
               </a:ext>
             </a:extLst>
           </p:cNvSpPr>
@@ -8058,7 +8058,7 @@
           <p:cNvSpPr>
             <a:extLst>
               <a:ext uri="smNativeData">
-                <pr:smNativeData xmlns:pr="smNativeData" val="SMDATA_13_IrKAXRMAAAAlAAAAZAAAAA8BAAAAkAAAAEgAAACQAAAASAAAAAAAAAAAAAAAAAAAAAEAAABQAAAAAAAAAAAA4D8AAAAAAADgPwAAAAAAAOA/AAAAAAAA4D8AAAAAAADgPwAAAAAAAOA/AAAAAAAA4D8AAAAAAADgPwAAAAAAAOA/AAAAAAAA4D8CAAAAjAAAAAAAAAAAAAAAu+DjDP///wgAAAAAAAAAAAAAAAAAAAAAAAAAAAAAAAAAAAAAZAAAAAEAAABAAAAAAAAAAAAAAAAAAAAAAAAAAAAAAAAAAAAAAAAAAAAAAAAAAAAAAAAAAAAAAAAAAAAAAAAAAAAAAAAAAAAAAAAAAAAAAAAAAAAAAAAAAAAAAAAAAAAAFAAAADwAAAABAAAAAAAAAB4eHgB4AAAAAQAAAAYAAAAAAAAAAAAAAAAAAAAAAAAAZAAAAGQAAAAAAAAAZAAAAGQAAAAVAAAAYAAAAAAAAAAAAAAADwAAACADAAAAAAAAAAAAAAEAAACgMgAAAAAAAAAAAAABAAAAf39/AAEAAABkAAAAAAAAABQAAABAHwAAAAAAACYAAAAAAAAAwOD//wAAAAAmAAAAZAAAABYAAABMAAAAAAAAAAAAAAAEAAAAAAAAAAEAAACAgIAKAAAAACgAAAAoAAAAZAAAAGQAAAAAAAAAzMzMAAAAAABQAAAAUAAAAGQAAABkAAAAAAAAABcAAAAUAAAAAAAAAAAAAAD/fwAA/38AAAAAAAAJAAAABAAAAAEAAAAMAAAAEAAAAAAAAAAAAAAAAAAAAAAAAAAeAAAAaAAAAAAAAAAAAAAAAAAAAAAAAAAAAAAAECcAABAnAAAAAAAAAAAAAAAAAAAAAAAAAAAAAAAAAAAAAAAAPAAAABQAAAAoAAAAHh4eAAAAAABkAAAAMgAAAAAAAABkAAAAAAAAAH9/fwAKAAAAHwAAAFQAAAC74OMF////AQAAAAAAAAAAAAAAAAAAAAAAAAAAAAAAAAAAAAAAAAAAHh4eAH9/fwCAgIADzMzMAB4eHgB/f38AAAAAAAAAAAAAAAAAAAAAAAAAAAAhAAAAGAAAABQAAABcDAAApRQAADcRAACAGQAAEAAAACYAAAAIAAAA//////////8="/>
+                <pr:smNativeData xmlns:pr="smNativeData" val="SMDATA_13_gcGAXRMAAAAlAAAAZAAAAA8BAAAAkAAAAEgAAACQAAAASAAAAAAAAAAAAAAAAAAAAAEAAABQAAAAAAAAAAAA4D8AAAAAAADgPwAAAAAAAOA/AAAAAAAA4D8AAAAAAADgPwAAAAAAAOA/AAAAAAAA4D8AAAAAAADgPwAAAAAAAOA/AAAAAAAA4D8CAAAAjAAAAAAAAAAAAAAAu+DjDP///wgAAAAAAAAAAAAAAAAAAAAAAAAAAAAAAAAAAAAAZAAAAAEAAABAAAAAAAAAAAAAAAAAAAAAAAAAAAAAAAAAAAAAAAAAAAAAAAAAAAAAAAAAAAAAAAAAAAAAAAAAAAAAAAAAAAAAAAAAAAAAAAAAAAAAAAAAAAAAAAAAAAAAFAAAADwAAAABAAAAAAAAAB4eHgB4AAAAAQAAAAYAAAAAAAAAAAAAAAAAAAAAAAAAZAAAAGQAAAAAAAAAZAAAAGQAAAAVAAAAYAAAAAAAAAAAAAAADwAAACADAAAAAAAAAAAAAAEAAACgMgAAAAAAAAAAAAABAAAAf39/AAEAAABkAAAAAAAAABQAAABAHwAAAAAAACYAAAAAAAAAwOD//wAAAAAmAAAAZAAAABYAAABMAAAAAAAAAAAAAAAEAAAAAAAAAAEAAACAgIAKAAAAACgAAAAoAAAAZAAAAGQAAAAAAAAAzMzMAAAAAABQAAAAUAAAAGQAAABkAAAAAAAAABcAAAAUAAAAAAAAAAAAAAD/fwAA/38AAAAAAAAJAAAABAAAAAEAAAAMAAAAEAAAAAAAAAAAAAAAAAAAAAAAAAAeAAAAaAAAAAAAAAAAAAAAAAAAAAAAAAAAAAAAECcAABAnAAAAAAAAAAAAAAAAAAAAAAAAAAAAAAAAAAAAAAAAPAAAABQAAAAoAAAAHh4eAAAAAABkAAAAMgAAAAAAAABkAAAAAAAAAH9/fwAKAAAAHwAAAFQAAAC74OMF////AQAAAAAAAAAAAAAAAAAAAAAAAAAAAAAAAAAAAAAAAAAAHh4eAH9/fwCAgIADzMzMAB4eHgB/f38AAAAAAAAAAAAAAAAAAAAAAAAAAAAhAAAAGAAAABQAAABcDAAApRQAADcRAACAGQAAEAAAACYAAAAIAAAA//////////8="/>
               </a:ext>
             </a:extLst>
           </p:cNvSpPr>
@@ -8097,7 +8097,7 @@
           <p:cNvSpPr>
             <a:extLst>
               <a:ext uri="smNativeData">
-                <pr:smNativeData xmlns:pr="smNativeData" val="SMDATA_13_IrKAXRMAAAAlAAAAZAAAAA8BAAAAkAAAAEgAAACQAAAASAAAAAAAAAAAAAAAAAAAAAEAAABQAAAAAAAAAAAA4D8AAAAAAADgPwAAAAAAAOA/AAAAAAAA4D8AAAAAAADgPwAAAAAAAOA/AAAAAAAA4D8AAAAAAADgPwAAAAAAAOA/AAAAAAAA4D8CAAAAjAAAAAAAAAAAAAAAu+DjDP///wgAAAAAAAAAAAAAAAAAAAAAAAAAAAAAAAAAAAAAZAAAAAEAAABAAAAAAAAAAAAAAAAAAAAAAAAAAAAAAAAAAAAAAAAAAAAAAAAAAAAAAAAAAAAAAAAAAAAAAAAAAAAAAAAAAAAAAAAAAAAAAAAAAAAAAAAAAAAAAAAAAAAAFAAAADwAAAABAAAAAAAAABx9HAA8AAAAAQAAAAMAAAAAAAAAAAAAAAAAAAAAAAAAZAAAAGQAAAAAAAAAZAAAAGQAAAAVAAAAYAAAAAAAAAAAAAAADwAAACADAAAAAAAAAAAAAAEAAACgMgAAAAAAAAAAAAABAAAAf39/AAEAAABkAAAAAAAAABQAAABAHwAAAAAAACYAAAAAAAAAwOD//wAAAAAmAAAAZAAAABYAAABMAAAAAAAAAAAAAAAEAAAAAAAAAAEAAACAgIAKAAAAACgAAAAoAAAAZAAAAGQAAAAAAAAAzMzMAAAAAABQAAAAUAAAAGQAAABkAAAAAAAAABcAAAAUAAAAAAAAAAAAAAD/fwAA/38AAAAAAAAJAAAABAAAAAAAAAAMAAAAEAAAAAAAAAAAAAAAAAAAAAAAAAAeAAAAaAAAAAAAAAAAAAAAAAAAAAAAAAAAAAAAECcAABAnAAAAAAAAAAAAAAAAAAAAAAAAAAAAAAAAAAAAAAAAPAAAABQAAAAoAAAAHH0cAAAAAABkAAAAMgAAAAAAAABkAAAAAAAAAH9/fwAKAAAAHwAAAFQAAAC74OMF////AQAAAAAAAAAAAAAAAAAAAAAAAAAAAAAAAAAAAAAAAAAAHH0cAH9/fwCAgIADzMzMABx9HAB/f38AAAAAAAAAAAAAAAAAAAAAAAAAAAAhAAAAGAAAABQAAAAnCgAAUhMAAGwTAABEGwAAEAAAACYAAAAIAAAA//////////8="/>
+                <pr:smNativeData xmlns:pr="smNativeData" val="SMDATA_13_gcGAXRMAAAAlAAAAZAAAAA8BAAAAkAAAAEgAAACQAAAASAAAAAAAAAAAAAAAAAAAAAEAAABQAAAAAAAAAAAA4D8AAAAAAADgPwAAAAAAAOA/AAAAAAAA4D8AAAAAAADgPwAAAAAAAOA/AAAAAAAA4D8AAAAAAADgPwAAAAAAAOA/AAAAAAAA4D8CAAAAjAAAAAAAAAAAAAAAu+DjDP///wgAAAAAAAAAAAAAAAAAAAAAAAAAAAAAAAAAAAAAZAAAAAEAAABAAAAAAAAAAAAAAAAAAAAAAAAAAAAAAAAAAAAAAAAAAAAAAAAAAAAAAAAAAAAAAAAAAAAAAAAAAAAAAAAAAAAAAAAAAAAAAAAAAAAAAAAAAAAAAAAAAAAAFAAAADwAAAABAAAAAAAAABx9HAA8AAAAAQAAAAMAAAAAAAAAAAAAAAAAAAAAAAAAZAAAAGQAAAAAAAAAZAAAAGQAAAAVAAAAYAAAAAAAAAAAAAAADwAAACADAAAAAAAAAAAAAAEAAACgMgAAAAAAAAAAAAABAAAAf39/AAEAAABkAAAAAAAAABQAAABAHwAAAAAAACYAAAAAAAAAwOD//wAAAAAmAAAAZAAAABYAAABMAAAAAAAAAAAAAAAEAAAAAAAAAAEAAACAgIAKAAAAACgAAAAoAAAAZAAAAGQAAAAAAAAAzMzMAAAAAABQAAAAUAAAAGQAAABkAAAAAAAAABcAAAAUAAAAAAAAAAAAAAD/fwAA/38AAAAAAAAJAAAABAAAAAAAAAAMAAAAEAAAAAAAAAAAAAAAAAAAAAAAAAAeAAAAaAAAAAAAAAAAAAAAAAAAAAAAAAAAAAAAECcAABAnAAAAAAAAAAAAAAAAAAAAAAAAAAAAAAAAAAAAAAAAPAAAABQAAAAoAAAAHH0cAAAAAABkAAAAMgAAAAAAAABkAAAAAAAAAH9/fwAKAAAAHwAAAFQAAAC74OMF////AQAAAAAAAAAAAAAAAAAAAAAAAAAAAAAAAAAAAAAAAAAAHH0cAH9/fwCAgIADzMzMABx9HAB/f38AAAAAAAAAAAAAAAAAAAAAAAAAAAAhAAAAGAAAABQAAAAnCgAAUhMAAGwTAABEGwAAEAAAACYAAAAIAAAA//////////8="/>
               </a:ext>
             </a:extLst>
           </p:cNvSpPr>
@@ -8136,7 +8136,7 @@
           <p:cNvSpPr txBox="1">
             <a:extLst>
               <a:ext uri="smNativeData">
-                <pr:smNativeData xmlns:pr="smNativeData" val="SMDATA_13_IrKAXRMAAAAlAAAAEgAAAE8BAAAAkAAAAEgAAACQAAAASAAAAAAAAAAAAAAAAAAAAAEAAABQAAAAAAAAAAAA4D8AAAAAAADgPwAAAAAAAOA/AAAAAAAA4D8AAAAAAADgPwAAAAAAAOA/AAAAAAAA4D8AAAAAAADgPwAAAAAAAOA/AAAAAAAA4D8CAAAAjAAAAAAAAAAAAAAAu+DjDP///wgAAAAAAAAAAAAAAAAAAAAAAAAAAAAAAAAAAAAAZAAAAAEAAABAAAAAAAAAAAAAAAAAAAAAAAAAAAAAAAAAAAAAAAAAAAAAAAAAAAAAAAAAAAAAAAAAAAAAAAAAAAAAAAAAAAAAAAAAAAAAAAAAAAAAAAAAAAAAAAAAAAAAFAAAADwAAAAAAAAAAAAAAAAAAAkUAAAAAQAAABQAAAAUAAAAFAAAAAEAAAAAAAAAZAAAAGQAAAAAAAAAZAAAAGQAAAAVAAAAYAAAAAAAAAAAAAAADwAAACADAAAAAAAAAAAAAAEAAACgMgAAVgcAAKr4//8BAAAAf39/AAEAAABkAAAAAAAAABQAAABAHwAAAAAAACYAAAAAAAAAwOD//wAAAAAmAAAAZAAAABYAAABMAAAAAAAAAAAAAAAEAAAAAAAAAAEAAACAgIAKAAAAACgAAAAoAAAAZAAAAGQAAAAAAAAAzMzMAAAAAABQAAAAUAAAAGQAAABkAAAAAAAAABcAAAAUAAAAAAAAANwIAAD/fwAA/38AAAAAAAAJAAAABAAAAAAAAAAMAAAAEAAAAAAAAAAAAAAAAAAAAAAAAAAeAAAAaAAAAAAAAAAAAAAAAAAAAAAAAAAAAAAAECcAABAnAAAAAAAAAAAAAAAAAAAAAAAAAAAAAAAAAAAAAAAAAAAAABQAAAAAAAAAwMD/AAAAAABkAAAAMgAAAAAAAABkAAAAAAAAAH9/fwAKAAAAHwAAAFQAAAC74OMF////AQAAAAAAAAAAAAAAAAAAAAAAAAAAAAAAAAAAAAAAAAAAAAAAAn9/fwCAgIADzMzMAMDA/wB/f38AAAAAAAAAAAAAAAAAAAAAAAAAAAAhAAAAGAAAABQAAAADGgAA5woAAHUeAAB3DgAAECAAACYAAAAIAAAA//////////8="/>
+                <pr:smNativeData xmlns:pr="smNativeData" val="SMDATA_13_gcGAXRMAAAAlAAAAEgAAAE8BAAAAkAAAAEgAAACQAAAASAAAAAAAAAAAAAAAAAAAAAEAAABQAAAAAAAAAAAA4D8AAAAAAADgPwAAAAAAAOA/AAAAAAAA4D8AAAAAAADgPwAAAAAAAOA/AAAAAAAA4D8AAAAAAADgPwAAAAAAAOA/AAAAAAAA4D8CAAAAjAAAAAAAAAAAAAAAu+DjDP///wgAAAAAAAAAAAAAAAAAAAAAAAAAAAAAAAAAAAAAZAAAAAEAAABAAAAAAAAAAAAAAAAAAAAAAAAAAAAAAAAAAAAAAAAAAAAAAAAAAAAAAAAAAAAAAAAAAAAAAAAAAAAAAAAAAAAAAAAAAAAAAAAAAAAAAAAAAAAAAAAAAAAAFAAAADwAAAAAAAAAAAAAAAAAAAkUAAAAAQAAABQAAAAUAAAAFAAAAAEAAAAAAAAAZAAAAGQAAAAAAAAAZAAAAGQAAAAVAAAAYAAAAAAAAAAAAAAADwAAACADAAAAAAAAAAAAAAEAAACgMgAAVgcAAKr4//8BAAAAf39/AAEAAABkAAAAAAAAABQAAABAHwAAAAAAACYAAAAAAAAAwOD//wAAAAAmAAAAZAAAABYAAABMAAAAAAAAAAAAAAAEAAAAAAAAAAEAAACAgIAKAAAAACgAAAAoAAAAZAAAAGQAAAAAAAAAzMzMAAAAAABQAAAAUAAAAGQAAABkAAAAAAAAABcAAAAUAAAAAAAAANwIAAD/fwAA/38AAAAAAAAJAAAABAAAAAAAAAAMAAAAEAAAAAAAAAAAAAAAAAAAAAAAAAAeAAAAaAAAAAAAAAAAAAAAAAAAAAAAAAAAAAAAECcAABAnAAAAAAAAAAAAAAAAAAAAAAAAAAAAAAAAAAAAAAAAAAAAABQAAAAAAAAAwMD/AAAAAABkAAAAMgAAAAAAAABkAAAAAAAAAH9/fwAKAAAAHwAAAFQAAAC74OMF////AQAAAAAAAAAAAAAAAAAAAAAAAAAAAAAAAAAAAAAAAAAAAAAAAn9/fwCAgIADzMzMAMDA/wB/f38AAAAAAAAAAAAAAAAAAAAAAAAAAAAhAAAAGAAAABQAAAADGgAA5woAAHUeAAB3DgAAECAAACYAAAAIAAAA//////////8="/>
               </a:ext>
             </a:extLst>
           </p:cNvSpPr>
@@ -8199,7 +8199,7 @@
           <p:cNvSpPr txBox="1">
             <a:extLst>
               <a:ext uri="smNativeData">
-                <pr:smNativeData xmlns:pr="smNativeData" val="SMDATA_13_IrKAXRMAAAAlAAAAEgAAAE8BAAAAkAAAAEgAAACQAAAASAAAAAAAAAAAAAAAAAAAAAEAAABQAAAAAAAAAAAA4D8AAAAAAADgPwAAAAAAAOA/AAAAAAAA4D8AAAAAAADgPwAAAAAAAOA/AAAAAAAA4D8AAAAAAADgPwAAAAAAAOA/AAAAAAAA4D8CAAAAjAAAAAAAAAAAAAAAu+DjDP///wgAAAAAAAAAAAAAAAAAAAAAAAAAAAAAAAAAAAAAZAAAAAEAAABAAAAAAAAAAAAAAAAAAAAAAAAAAAAAAAAAAAAAAAAAAAAAAAAAAAAAAAAAAAAAAAAAAAAAAAAAAAAAAAAAAAAAAAAAAAAAAAAAAAAAAAAAAAAAAAAAAAAAFAAAADwAAAAAAAAAAAAAAAAAAAkUAAAAAQAAABQAAAAUAAAAFAAAAAEAAAAAAAAAZAAAAGQAAAAAAAAAZAAAAGQAAAAVAAAAYAAAAAAAAAAAAAAADwAAACADAAAAAAAAAAAAAAEAAACgMgAAVgcAAKr4//8BAAAAf39/AAEAAABkAAAAAAAAABQAAABAHwAAAAAAACYAAAAAAAAAwOD//wAAAAAmAAAAZAAAABYAAABMAAAAAAAAAAAAAAAEAAAAAAAAAAEAAACAgIAKAAAAACgAAAAoAAAAZAAAAGQAAAAAAAAAzMzMAAAAAABQAAAAUAAAAGQAAABkAAAAAAAAABcAAAAUAAAAAAAAANwIAAD/fwAA/38AAAAAAAAJAAAABAAAAAAAAAAMAAAAEAAAAAAAAAAAAAAAAAAAAAAAAAAeAAAAaAAAAAAAAAAAAAAAAAAAAAAAAAAAAAAAECcAABAnAAAAAAAAAAAAAAAAAAAAAAAAAAAAAAAAAAAAAAAAAAAAABQAAAAAAAAAwMD/AAAAAABkAAAAMgAAAAAAAABkAAAAAAAAAH9/fwAKAAAAHwAAAFQAAAC74OMF////AQAAAAAAAAAAAAAAAAAAAAAAAAAAAAAAAAAAAAAAAAAAAAAAAn9/fwCAgIADzMzMAMDA/wB/f38AAAAAAAAAAAAAAAAAAAAAAAAAAAAhAAAAGAAAABQAAAB6CwAADhUAABkSAADeFwAAECAAACYAAAAIAAAA//////////8="/>
+                <pr:smNativeData xmlns:pr="smNativeData" val="SMDATA_13_gcGAXRMAAAAlAAAAEgAAAE8BAAAAkAAAAEgAAACQAAAASAAAAAAAAAAAAAAAAAAAAAEAAABQAAAAAAAAAAAA4D8AAAAAAADgPwAAAAAAAOA/AAAAAAAA4D8AAAAAAADgPwAAAAAAAOA/AAAAAAAA4D8AAAAAAADgPwAAAAAAAOA/AAAAAAAA4D8CAAAAjAAAAAAAAAAAAAAAu+DjDP///wgAAAAAAAAAAAAAAAAAAAAAAAAAAAAAAAAAAAAAZAAAAAEAAABAAAAAAAAAAAAAAAAAAAAAAAAAAAAAAAAAAAAAAAAAAAAAAAAAAAAAAAAAAAAAAAAAAAAAAAAAAAAAAAAAAAAAAAAAAAAAAAAAAAAAAAAAAAAAAAAAAAAAFAAAADwAAAAAAAAAAAAAAAAAAAkUAAAAAQAAABQAAAAUAAAAFAAAAAEAAAAAAAAAZAAAAGQAAAAAAAAAZAAAAGQAAAAVAAAAYAAAAAAAAAAAAAAADwAAACADAAAAAAAAAAAAAAEAAACgMgAAVgcAAKr4//8BAAAAf39/AAEAAABkAAAAAAAAABQAAABAHwAAAAAAACYAAAAAAAAAwOD//wAAAAAmAAAAZAAAABYAAABMAAAAAAAAAAAAAAAEAAAAAAAAAAEAAACAgIAKAAAAACgAAAAoAAAAZAAAAGQAAAAAAAAAzMzMAAAAAABQAAAAUAAAAGQAAABkAAAAAAAAABcAAAAUAAAAAAAAANwIAAD/fwAA/38AAAAAAAAJAAAABAAAAAAAAAAMAAAAEAAAAAAAAAAAAAAAAAAAAAAAAAAeAAAAaAAAAAAAAAAAAAAAAAAAAAAAAAAAAAAAECcAABAnAAAAAAAAAAAAAAAAAAAAAAAAAAAAAAAAAAAAAAAAAAAAABQAAAAAAAAAwMD/AAAAAABkAAAAMgAAAAAAAABkAAAAAAAAAH9/fwAKAAAAHwAAAFQAAAC74OMF////AQAAAAAAAAAAAAAAAAAAAAAAAAAAAAAAAAAAAAAAAAAAAAAAAn9/fwCAgIADzMzMAMDA/wB/f38AAAAAAAAAAAAAAAAAAAAAAAAAAAAhAAAAGAAAABQAAAB6CwAADhUAABkSAADeFwAAECAAACYAAAAIAAAA//////////8="/>
               </a:ext>
             </a:extLst>
           </p:cNvSpPr>
@@ -8260,7 +8260,7 @@
           <p:cNvSpPr txBox="1">
             <a:extLst>
               <a:ext uri="smNativeData">
-                <pr:smNativeData xmlns:pr="smNativeData" val="SMDATA_13_IrKAXRMAAAAlAAAAEgAAAE8BAAAAkAAAAEgAAACQAAAASAAAAAAAAAAAAAAAAAAAAAEAAABQAAAAAAAAAAAA4D8AAAAAAADgPwAAAAAAAOA/AAAAAAAA4D8AAAAAAADgPwAAAAAAAOA/AAAAAAAA4D8AAAAAAADgPwAAAAAAAOA/AAAAAAAA4D8CAAAAjAAAAAAAAAAAAAAAu+DjDP///wgAAAAAAAAAAAAAAAAAAAAAAAAAAAAAAAAAAAAAZAAAAAEAAABAAAAAAAAAAAAAAAAAAAAAAAAAAAAAAAAAAAAAAAAAAAAAAAAAAAAAAAAAAAAAAAAAAAAAAAAAAAAAAAAAAAAAAAAAAAAAAAAAAAAAAAAAAAAAAAAAAAAAFAAAADwAAAAAAAAAAAAAAAAAAAkUAAAAAQAAABQAAAAUAAAAFAAAAAEAAAAAAAAAZAAAAGQAAAAAAAAAZAAAAGQAAAAVAAAAYAAAAAAAAAAAAAAADwAAACADAAAAAAAAAAAAAAEAAACgMgAAVgcAAKr4//8BAAAAf39/AAEAAABkAAAAAAAAABQAAABAHwAAAAAAACYAAAAAAAAAwOD//wAAAAAmAAAAZAAAABYAAABMAAAAAAAAAAAAAAAEAAAAAAAAAAEAAACAgIAKAAAAACgAAAAoAAAAZAAAAGQAAAAAAAAAzMzMAAAAAABQAAAAUAAAAGQAAABkAAAAAAAAABcAAAAUAAAAAAAAANwIAAD/fwAA/38AAAAAAAAJAAAABAAAAAAAAAAMAAAAEAAAAAAAAAAAAAAAAAAAAAAAAAAeAAAAaAAAAAAAAAAAAAAAAAAAAAAAAAAAAAAAECcAABAnAAAAAAAAAAAAAAAAAAAAAAAAAAAAAAAAAAAAAAAAAAAAABQAAAAAAAAAwMD/AAAAAABkAAAAMgAAAAAAAABkAAAAAAAAAH9/fwAKAAAAHwAAAFQAAAC74OMF////AQAAAAAAAAAAAAAAAAAAAAAAAAAAAAAAAAAAAAAAAAAAAAAAAn9/fwCAgIADzMzMAMDA/wB/f38AAAAAAAAAAAAAAAAAAAAAAAAAAAAhAAAAGAAAABQAAAB6CwAA+iQAABkSAACqJgAAECAAACYAAAAIAAAA//////////8="/>
+                <pr:smNativeData xmlns:pr="smNativeData" val="SMDATA_13_gcGAXRMAAAAlAAAAEgAAAE8BAAAAkAAAAEgAAACQAAAASAAAAAAAAAAAAAAAAAAAAAEAAABQAAAAAAAAAAAA4D8AAAAAAADgPwAAAAAAAOA/AAAAAAAA4D8AAAAAAADgPwAAAAAAAOA/AAAAAAAA4D8AAAAAAADgPwAAAAAAAOA/AAAAAAAA4D8CAAAAjAAAAAAAAAAAAAAAu+DjDP///wgAAAAAAAAAAAAAAAAAAAAAAAAAAAAAAAAAAAAAZAAAAAEAAABAAAAAAAAAAAAAAAAAAAAAAAAAAAAAAAAAAAAAAAAAAAAAAAAAAAAAAAAAAAAAAAAAAAAAAAAAAAAAAAAAAAAAAAAAAAAAAAAAAAAAAAAAAAAAAAAAAAAAFAAAADwAAAAAAAAAAAAAAAAAAAkUAAAAAQAAABQAAAAUAAAAFAAAAAEAAAAAAAAAZAAAAGQAAAAAAAAAZAAAAGQAAAAVAAAAYAAAAAAAAAAAAAAADwAAACADAAAAAAAAAAAAAAEAAACgMgAAVgcAAKr4//8BAAAAf39/AAEAAABkAAAAAAAAABQAAABAHwAAAAAAACYAAAAAAAAAwOD//wAAAAAmAAAAZAAAABYAAABMAAAAAAAAAAAAAAAEAAAAAAAAAAEAAACAgIAKAAAAACgAAAAoAAAAZAAAAGQAAAAAAAAAzMzMAAAAAABQAAAAUAAAAGQAAABkAAAAAAAAABcAAAAUAAAAAAAAANwIAAD/fwAA/38AAAAAAAAJAAAABAAAAAAAAAAMAAAAEAAAAAAAAAAAAAAAAAAAAAAAAAAeAAAAaAAAAAAAAAAAAAAAAAAAAAAAAAAAAAAAECcAABAnAAAAAAAAAAAAAAAAAAAAAAAAAAAAAAAAAAAAAAAAAAAAABQAAAAAAAAAwMD/AAAAAABkAAAAMgAAAAAAAABkAAAAAAAAAH9/fwAKAAAAHwAAAFQAAAC74OMF////AQAAAAAAAAAAAAAAAAAAAAAAAAAAAAAAAAAAAAAAAAAAAAAAAn9/fwCAgIADzMzMAMDA/wB/f38AAAAAAAAAAAAAAAAAAAAAAAAAAAAhAAAAGAAAABQAAAB6CwAA+iQAABkSAACqJgAAECAAACYAAAAIAAAA//////////8="/>
               </a:ext>
             </a:extLst>
           </p:cNvSpPr>
@@ -8306,7 +8306,7 @@
           <p:cNvSpPr txBox="1">
             <a:extLst>
               <a:ext uri="smNativeData">
-                <pr:smNativeData xmlns:pr="smNativeData" val="SMDATA_13_IrKAXRMAAAAlAAAAEgAAAE8BAAAAkAAAAEgAAACQAAAASAAAAAAAAAAAAAAAAAAAAAEAAABQAAAAAAAAAAAA4D8AAAAAAADgPwAAAAAAAOA/AAAAAAAA4D8AAAAAAADgPwAAAAAAAOA/AAAAAAAA4D8AAAAAAADgPwAAAAAAAOA/AAAAAAAA4D8CAAAAjAAAAAAAAAAAAAAAu+DjDP///wgAAAAAAAAAAAAAAAAAAAAAAAAAAAAAAAAAAAAAZAAAAAEAAABAAAAAAAAAAAAAAAAAAAAAAAAAAAAAAAAAAAAAAAAAAAAAAAAAAAAAAAAAAAAAAAAAAAAAAAAAAAAAAAAAAAAAAAAAAAAAAAAAAAAAAAAAAAAAAAAAAAAAFAAAADwAAAAAAAAAAAAAAAAAAAkUAAAAAQAAABQAAAAUAAAAFAAAAAEAAAAAAAAAZAAAAGQAAAAAAAAAZAAAAGQAAAAVAAAAYAAAAAAAAAAAAAAADwAAACADAAAAAAAAAAAAAAEAAACgMgAAVgcAAKr4//8BAAAAf39/AAEAAABkAAAAAAAAABQAAABAHwAAAAAAACYAAAAAAAAAwOD//wAAAAAmAAAAZAAAABYAAABMAAAAAAAAAAAAAAAEAAAAAAAAAAEAAACAgIAKAAAAACgAAAAoAAAAZAAAAGQAAAAAAAAAzMzMAAAAAABQAAAAUAAAAGQAAABkAAAAAAAAABcAAAAUAAAAAAAAANwIAAD/fwAA/38AAAAAAAAJAAAABAAAAAAAAAAMAAAAEAAAAAAAAAAAAAAAAAAAAAAAAAAeAAAAaAAAAAAAAAAAAAAAAAAAAAAAAAAAAAAAECcAABAnAAAAAAAAAAAAAAAAAAAAAAAAAAAAAAAAAAAAAAAAAAAAABQAAAAAAAAAwMD/AAAAAABkAAAAMgAAAAAAAABkAAAAAAAAAH9/fwAKAAAAHwAAAFQAAAC74OMF////AQAAAAAAAAAAAAAAAAAAAAAAAAAAAAAAAAAAAAAAAAAAAAAAAn9/fwCAgIADzMzMAMDA/wB/f38AAAAAAAAAAAAAAAAAAAAAAAAAAAAhAAAAGAAAABQAAAC4GAAAjhUAAFcfAAA+FwAAECAAACYAAAAIAAAA//////////8="/>
+                <pr:smNativeData xmlns:pr="smNativeData" val="SMDATA_13_gcGAXRMAAAAlAAAAEgAAAE8BAAAAkAAAAEgAAACQAAAASAAAAAAAAAAAAAAAAAAAAAEAAABQAAAAAAAAAAAA4D8AAAAAAADgPwAAAAAAAOA/AAAAAAAA4D8AAAAAAADgPwAAAAAAAOA/AAAAAAAA4D8AAAAAAADgPwAAAAAAAOA/AAAAAAAA4D8CAAAAjAAAAAAAAAAAAAAAu+DjDP///wgAAAAAAAAAAAAAAAAAAAAAAAAAAAAAAAAAAAAAZAAAAAEAAABAAAAAAAAAAAAAAAAAAAAAAAAAAAAAAAAAAAAAAAAAAAAAAAAAAAAAAAAAAAAAAAAAAAAAAAAAAAAAAAAAAAAAAAAAAAAAAAAAAAAAAAAAAAAAAAAAAAAAFAAAADwAAAAAAAAAAAAAAAAAAAkUAAAAAQAAABQAAAAUAAAAFAAAAAEAAAAAAAAAZAAAAGQAAAAAAAAAZAAAAGQAAAAVAAAAYAAAAAAAAAAAAAAADwAAACADAAAAAAAAAAAAAAEAAACgMgAAVgcAAKr4//8BAAAAf39/AAEAAABkAAAAAAAAABQAAABAHwAAAAAAACYAAAAAAAAAwOD//wAAAAAmAAAAZAAAABYAAABMAAAAAAAAAAAAAAAEAAAAAAAAAAEAAACAgIAKAAAAACgAAAAoAAAAZAAAAGQAAAAAAAAAzMzMAAAAAABQAAAAUAAAAGQAAABkAAAAAAAAABcAAAAUAAAAAAAAANwIAAD/fwAA/38AAAAAAAAJAAAABAAAAAAAAAAMAAAAEAAAAAAAAAAAAAAAAAAAAAAAAAAeAAAAaAAAAAAAAAAAAAAAAAAAAAAAAAAAAAAAECcAABAnAAAAAAAAAAAAAAAAAAAAAAAAAAAAAAAAAAAAAAAAAAAAABQAAAAAAAAAwMD/AAAAAABkAAAAMgAAAAAAAABkAAAAAAAAAH9/fwAKAAAAHwAAAFQAAAC74OMF////AQAAAAAAAAAAAAAAAAAAAAAAAAAAAAAAAAAAAAAAAAAAAAAAAn9/fwCAgIADzMzMAMDA/wB/f38AAAAAAAAAAAAAAAAAAAAAAAAAAAAhAAAAGAAAABQAAAC4GAAAjhUAAFcfAAA+FwAAECAAACYAAAAIAAAA//////////8="/>
               </a:ext>
             </a:extLst>
           </p:cNvSpPr>
@@ -8352,7 +8352,7 @@
           <p:cNvSpPr txBox="1">
             <a:extLst>
               <a:ext uri="smNativeData">
-                <pr:smNativeData xmlns:pr="smNativeData" val="SMDATA_13_IrKAXRMAAAAlAAAAEgAAAE8BAAAAkAAAAEgAAACQAAAASAAAAAAAAAAAAAAAAAAAAAEAAABQAAAAAAAAAAAA4D8AAAAAAADgPwAAAAAAAOA/AAAAAAAA4D8AAAAAAADgPwAAAAAAAOA/AAAAAAAA4D8AAAAAAADgPwAAAAAAAOA/AAAAAAAA4D8CAAAAjAAAAAAAAAAAAAAAu+DjDP///wgAAAAAAAAAAAAAAAAAAAAAAAAAAAAAAAAAAAAAZAAAAAEAAABAAAAAAAAAAAAAAAAAAAAAAAAAAAAAAAAAAAAAAAAAAAAAAAAAAAAAAAAAAAAAAAAAAAAAAAAAAAAAAAAAAAAAAAAAAAAAAAAAAAAAAAAAAAAAAAAAAAAAFAAAADwAAAAAAAAAAAAAAAAAAAkUAAAAAQAAABQAAAAUAAAAFAAAAAEAAAAAAAAAZAAAAGQAAAAAAAAAZAAAAGQAAAAVAAAAYAAAAAAAAAAAAAAADwAAACADAAAAAAAAAAAAAAEAAACgMgAAVgcAAKr4//8BAAAAf39/AAEAAABkAAAAAAAAABQAAABAHwAAAAAAACYAAAAAAAAAwOD//wAAAAAmAAAAZAAAABYAAABMAAAAAAAAAAAAAAAEAAAAAAAAAAEAAACAgIAKAAAAACgAAAAoAAAAZAAAAGQAAAAAAAAAzMzMAAAAAABQAAAAUAAAAGQAAABkAAAAAAAAABcAAAAUAAAAAAAAANwIAAD/fwAA/38AAAAAAAAJAAAABAAAAAAAAAAMAAAAEAAAAAAAAAAAAAAAAAAAAAAAAAAeAAAAaAAAAAAAAAAAAAAAAAAAAAAAAAAAAAAAECcAABAnAAAAAAAAAAAAAAAAAAAAAAAAAAAAAAAAAAAAAAAAAAAAABQAAAAAAAAAwMD/AAAAAABkAAAAMgAAAAAAAABkAAAAAAAAAH9/fwAKAAAAHwAAAFQAAAC74OMF////AQAAAAAAAAAAAAAAAAAAAAAAAAAAAAAAAAAAAAAAAAAAAAAAAn9/fwCAgIADzMzMAMDA/wB/f38AAAAAAAAAAAAAAAAAAAAAAAAAAAAhAAAAGAAAABQAAAC4GAAAeR0AAFcfAAApHwAAECAAACYAAAAIAAAA//////////8="/>
+                <pr:smNativeData xmlns:pr="smNativeData" val="SMDATA_13_gcGAXRMAAAAlAAAAEgAAAE8BAAAAkAAAAEgAAACQAAAASAAAAAAAAAAAAAAAAAAAAAEAAABQAAAAAAAAAAAA4D8AAAAAAADgPwAAAAAAAOA/AAAAAAAA4D8AAAAAAADgPwAAAAAAAOA/AAAAAAAA4D8AAAAAAADgPwAAAAAAAOA/AAAAAAAA4D8CAAAAjAAAAAAAAAAAAAAAu+DjDP///wgAAAAAAAAAAAAAAAAAAAAAAAAAAAAAAAAAAAAAZAAAAAEAAABAAAAAAAAAAAAAAAAAAAAAAAAAAAAAAAAAAAAAAAAAAAAAAAAAAAAAAAAAAAAAAAAAAAAAAAAAAAAAAAAAAAAAAAAAAAAAAAAAAAAAAAAAAAAAAAAAAAAAFAAAADwAAAAAAAAAAAAAAAAAAAkUAAAAAQAAABQAAAAUAAAAFAAAAAEAAAAAAAAAZAAAAGQAAAAAAAAAZAAAAGQAAAAVAAAAYAAAAAAAAAAAAAAADwAAACADAAAAAAAAAAAAAAEAAACgMgAAVgcAAKr4//8BAAAAf39/AAEAAABkAAAAAAAAABQAAABAHwAAAAAAACYAAAAAAAAAwOD//wAAAAAmAAAAZAAAABYAAABMAAAAAAAAAAAAAAAEAAAAAAAAAAEAAACAgIAKAAAAACgAAAAoAAAAZAAAAGQAAAAAAAAAzMzMAAAAAABQAAAAUAAAAGQAAABkAAAAAAAAABcAAAAUAAAAAAAAANwIAAD/fwAA/38AAAAAAAAJAAAABAAAAAAAAAAMAAAAEAAAAAAAAAAAAAAAAAAAAAAAAAAeAAAAaAAAAAAAAAAAAAAAAAAAAAAAAAAAAAAAECcAABAnAAAAAAAAAAAAAAAAAAAAAAAAAAAAAAAAAAAAAAAAAAAAABQAAAAAAAAAwMD/AAAAAABkAAAAMgAAAAAAAABkAAAAAAAAAH9/fwAKAAAAHwAAAFQAAAC74OMF////AQAAAAAAAAAAAAAAAAAAAAAAAAAAAAAAAAAAAAAAAAAAAAAAAn9/fwCAgIADzMzMAMDA/wB/f38AAAAAAAAAAAAAAAAAAAAAAAAAAAAhAAAAGAAAABQAAAC4GAAAeR0AAFcfAAApHwAAECAAACYAAAAIAAAA//////////8="/>
               </a:ext>
             </a:extLst>
           </p:cNvSpPr>
@@ -8398,7 +8398,7 @@
           <p:cNvSpPr txBox="1">
             <a:extLst>
               <a:ext uri="smNativeData">
-                <pr:smNativeData xmlns:pr="smNativeData" val="SMDATA_13_IrKAXRMAAAAlAAAAEgAAAE8BAAAAkAAAAEgAAACQAAAASAAAAAAAAAAAAAAAAAAAAAEAAABQAAAAAAAAAAAA4D8AAAAAAADgPwAAAAAAAOA/AAAAAAAA4D8AAAAAAADgPwAAAAAAAOA/AAAAAAAA4D8AAAAAAADgPwAAAAAAAOA/AAAAAAAA4D8CAAAAjAAAAAAAAAAAAAAAu+DjDP///wgAAAAAAAAAAAAAAAAAAAAAAAAAAAAAAAAAAAAAZAAAAAEAAABAAAAAAAAAAAAAAAAAAAAAAAAAAAAAAAAAAAAAAAAAAAAAAAAAAAAAAAAAAAAAAAAAAAAAAAAAAAAAAAAAAAAAAAAAAAAAAAAAAAAAAAAAAAAAAAAAAAAAFAAAADwAAAAAAAAAAAAAAAAAAAkUAAAAAQAAABQAAAAUAAAAFAAAAAEAAAAAAAAAZAAAAGQAAAAAAAAAZAAAAGQAAAAVAAAAYAAAAAAAAAAAAAAADwAAACADAAAAAAAAAAAAAAEAAACgMgAAVgcAAKr4//8BAAAAf39/AAEAAABkAAAAAAAAABQAAABAHwAAAAAAACYAAAAAAAAAwOD//wAAAAAmAAAAZAAAABYAAABMAAAAAAAAAAAAAAAEAAAAAAAAAAEAAACAgIAKAAAAACgAAAAoAAAAZAAAAGQAAAAAAAAAzMzMAAAAAABQAAAAUAAAAGQAAABkAAAAAAAAABcAAAAUAAAAAAAAANwIAAD/fwAA/38AAAAAAAAJAAAABAAAAAAAAAAMAAAAEAAAAAAAAAAAAAAAAAAAAAAAAAAeAAAAaAAAAAAAAAAAAAAAAAAAAAAAAAAAAAAAECcAABAnAAAAAAAAAAAAAAAAAAAAAAAAAAAAAAAAAAAAAAAAAAAAABQAAAAAAAAAwMD/AAAAAABkAAAAMgAAAAAAAABkAAAAAAAAAH9/fwAKAAAAHwAAAFQAAAC74OMF////AQAAAAAAAAAAAAAAAAAAAAAAAAAAAAAAAAAAAAAAAAAAAAAAAn9/fwCAgIADzMzMAMDA/wB/f38AAAAAAAAAAAAAAAAAAAAAAAAAAAAhAAAAGAAAABQAAAD7EgAAyg8AAJoZAADaEQAAECAAACYAAAAIAAAA//////////8="/>
+                <pr:smNativeData xmlns:pr="smNativeData" val="SMDATA_13_gcGAXRMAAAAlAAAAEgAAAE8BAAAAkAAAAEgAAACQAAAASAAAAAAAAAAAAAAAAAAAAAEAAABQAAAAAAAAAAAA4D8AAAAAAADgPwAAAAAAAOA/AAAAAAAA4D8AAAAAAADgPwAAAAAAAOA/AAAAAAAA4D8AAAAAAADgPwAAAAAAAOA/AAAAAAAA4D8CAAAAjAAAAAAAAAAAAAAAu+DjDP///wgAAAAAAAAAAAAAAAAAAAAAAAAAAAAAAAAAAAAAZAAAAAEAAABAAAAAAAAAAAAAAAAAAAAAAAAAAAAAAAAAAAAAAAAAAAAAAAAAAAAAAAAAAAAAAAAAAAAAAAAAAAAAAAAAAAAAAAAAAAAAAAAAAAAAAAAAAAAAAAAAAAAAFAAAADwAAAAAAAAAAAAAAAAAAAkUAAAAAQAAABQAAAAUAAAAFAAAAAEAAAAAAAAAZAAAAGQAAAAAAAAAZAAAAGQAAAAVAAAAYAAAAAAAAAAAAAAADwAAACADAAAAAAAAAAAAAAEAAACgMgAAVgcAAKr4//8BAAAAf39/AAEAAABkAAAAAAAAABQAAABAHwAAAAAAACYAAAAAAAAAwOD//wAAAAAmAAAAZAAAABYAAABMAAAAAAAAAAAAAAAEAAAAAAAAAAEAAACAgIAKAAAAACgAAAAoAAAAZAAAAGQAAAAAAAAAzMzMAAAAAABQAAAAUAAAAGQAAABkAAAAAAAAABcAAAAUAAAAAAAAANwIAAD/fwAA/38AAAAAAAAJAAAABAAAAAAAAAAMAAAAEAAAAAAAAAAAAAAAAAAAAAAAAAAeAAAAaAAAAAAAAAAAAAAAAAAAAAAAAAAAAAAAECcAABAnAAAAAAAAAAAAAAAAAAAAAAAAAAAAAAAAAAAAAAAAAAAAABQAAAAAAAAAwMD/AAAAAABkAAAAMgAAAAAAAABkAAAAAAAAAH9/fwAKAAAAHwAAAFQAAAC74OMF////AQAAAAAAAAAAAAAAAAAAAAAAAAAAAAAAAAAAAAAAAAAAAAAAAn9/fwCAgIADzMzMAMDA/wB/f38AAAAAAAAAAAAAAAAAAAAAAAAAAAAhAAAAGAAAABQAAAD7EgAAyg8AAJoZAADaEQAAECAAACYAAAAIAAAA//////////8="/>
               </a:ext>
             </a:extLst>
           </p:cNvSpPr>
@@ -8444,7 +8444,7 @@
           <p:cNvSpPr txBox="1">
             <a:extLst>
               <a:ext uri="smNativeData">
-                <pr:smNativeData xmlns:pr="smNativeData" val="SMDATA_13_IrKAXRMAAAAlAAAAEgAAAE8BAAAAkAAAAEgAAACQAAAASAAAAAAAAAAAAAAAAAAAAAEAAABQAAAAAAAAAAAA4D8AAAAAAADgPwAAAAAAAOA/AAAAAAAA4D8AAAAAAADgPwAAAAAAAOA/AAAAAAAA4D8AAAAAAADgPwAAAAAAAOA/AAAAAAAA4D8CAAAAjAAAAAAAAAAAAAAAu+DjDP///wgAAAAAAAAAAAAAAAAAAAAAAAAAAAAAAAAAAAAAZAAAAAEAAABAAAAAAAAAAAAAAAAAAAAAAAAAAAAAAAAAAAAAAAAAAAAAAAAAAAAAAAAAAAAAAAAAAAAAAAAAAAAAAAAAAAAAAAAAAAAAAAAAAAAAAAAAAAAAAAAAAAAAFAAAADwAAAAAAAAAAAAAAAAAAAkUAAAAAQAAABQAAAAUAAAAFAAAAAEAAAAAAAAAZAAAAGQAAAAAAAAAZAAAAGQAAAAVAAAAYAAAAAAAAAAAAAAADwAAACADAAAAAAAAAAAAAAEAAACgMgAAVgcAAKr4//8BAAAAf39/AAEAAABkAAAAAAAAABQAAABAHwAAAAAAACYAAAAAAAAAwOD//wAAAAAmAAAAZAAAABYAAABMAAAAAAAAAAAAAAAEAAAAAAAAAAEAAACAgIAKAAAAACgAAAAoAAAAZAAAAGQAAAAAAAAAzMzMAAAAAABQAAAAUAAAAGQAAABkAAAAAAAAABcAAAAUAAAAAAAAANwIAAD/fwAA/38AAAAAAAAJAAAABAAAAAAAAAAMAAAAEAAAAAAAAAAAAAAAAAAAAAAAAAAeAAAAaAAAAAAAAAAAAAAAAAAAAAAAAAAAAAAAECcAABAnAAAAAAAAAAAAAAAAAAAAAAAAAAAAAAAAAAAAAAAAAAAAABQAAAAAAAAAwMD/AAAAAABkAAAAMgAAAAAAAABkAAAAAAAAAH9/fwAKAAAAHwAAAFQAAAC74OMF////AQAAAAAAAAAAAAAAAAAAAAAAAAAAAAAAAAAAAAAAAAAAAAAAAn9/fwCAgIADzMzMAMDA/wB/f38AAAAAAAAAAAAAAAAAAAAAAAAAAAAhAAAAGAAAABQAAADqGAAA0RAAAIkfAADhEgAAECAAACYAAAAIAAAA//////////8="/>
+                <pr:smNativeData xmlns:pr="smNativeData" val="SMDATA_13_gcGAXRMAAAAlAAAAEgAAAE8BAAAAkAAAAEgAAACQAAAASAAAAAAAAAAAAAAAAAAAAAEAAABQAAAAAAAAAAAA4D8AAAAAAADgPwAAAAAAAOA/AAAAAAAA4D8AAAAAAADgPwAAAAAAAOA/AAAAAAAA4D8AAAAAAADgPwAAAAAAAOA/AAAAAAAA4D8CAAAAjAAAAAAAAAAAAAAAu+DjDP///wgAAAAAAAAAAAAAAAAAAAAAAAAAAAAAAAAAAAAAZAAAAAEAAABAAAAAAAAAAAAAAAAAAAAAAAAAAAAAAAAAAAAAAAAAAAAAAAAAAAAAAAAAAAAAAAAAAAAAAAAAAAAAAAAAAAAAAAAAAAAAAAAAAAAAAAAAAAAAAAAAAAAAFAAAADwAAAAAAAAAAAAAAAAAAAkUAAAAAQAAABQAAAAUAAAAFAAAAAEAAAAAAAAAZAAAAGQAAAAAAAAAZAAAAGQAAAAVAAAAYAAAAAAAAAAAAAAADwAAACADAAAAAAAAAAAAAAEAAACgMgAAVgcAAKr4//8BAAAAf39/AAEAAABkAAAAAAAAABQAAABAHwAAAAAAACYAAAAAAAAAwOD//wAAAAAmAAAAZAAAABYAAABMAAAAAAAAAAAAAAAEAAAAAAAAAAEAAACAgIAKAAAAACgAAAAoAAAAZAAAAGQAAAAAAAAAzMzMAAAAAABQAAAAUAAAAGQAAABkAAAAAAAAABcAAAAUAAAAAAAAANwIAAD/fwAA/38AAAAAAAAJAAAABAAAAAAAAAAMAAAAEAAAAAAAAAAAAAAAAAAAAAAAAAAeAAAAaAAAAAAAAAAAAAAAAAAAAAAAAAAAAAAAECcAABAnAAAAAAAAAAAAAAAAAAAAAAAAAAAAAAAAAAAAAAAAAAAAABQAAAAAAAAAwMD/AAAAAABkAAAAMgAAAAAAAABkAAAAAAAAAH9/fwAKAAAAHwAAAFQAAAC74OMF////AQAAAAAAAAAAAAAAAAAAAAAAAAAAAAAAAAAAAAAAAAAAAAAAAn9/fwCAgIADzMzMAMDA/wB/f38AAAAAAAAAAAAAAAAAAAAAAAAAAAAhAAAAGAAAABQAAADqGAAA0RAAAIkfAADhEgAAECAAACYAAAAIAAAA//////////8="/>
               </a:ext>
             </a:extLst>
           </p:cNvSpPr>
@@ -8490,7 +8490,7 @@
           <p:cNvSpPr>
             <a:extLst>
               <a:ext uri="smNativeData">
-                <pr:smNativeData xmlns:pr="smNativeData" val="SMDATA_13_IrKAXRMAAAAlAAAAZAAAAA8BAAAAkAAAAEgAAACQAAAASAAAAAAAAAAAAAAAAAAAAAEAAABQAAAAAAAAAAAA4D8AAAAAAADgPwAAAAAAAOA/AAAAAAAA4D8AAAAAAADgPwAAAAAAAOA/AAAAAAAA4D8AAAAAAADgPwAAAAAAAOA/AAAAAAAA4D8CAAAAjAAAAAEAAAAAAAAAHh4eAP///wgAAAAAAAAAAAAAAAAAAAAAAAAAAAAAAAAAAAAAZAAAAAEAAABAAAAAAAAAAAAAAAAAAAAAAAAAAAAAAAAAAAAAAAAAAAAAAAAAAAAAAAAAAAAAAAAAAAAAAAAAAAAAAAAAAAAAAAAAAAAAAAAAAAAAAAAAAAAAAAAAAAAAFAAAADwAAAAAAAAAAAAAAAAAAAkAAAAAAQAAAAAAAAAAAAAAAAAAAAAAAAAAAAAAZAAAAGQAAAAAAAAAZAAAAGQAAAAVAAAAYAAAAAAAAAAAAAAADwAAACADAAAAAAAAAAAAAAEAAACgMgAAAAAAAAAAAAABAAAAf39/AAEAAABkAAAAAAAAABQAAABAHwAAAAAAACYAAAAAAAAAwOD//wAAAAAmAAAAZAAAABYAAABMAAAAAAAAAAAAAAAEAAAAAAAAAAEAAACAgIAKAAAAACgAAAAoAAAAZAAAAGQAAAAAAAAAzMzMAAAAAABQAAAAUAAAAGQAAABkAAAAAAAAABcAAAAUAAAAAAAAAAAAAAD/fwAA/38AAAAAAAAJAAAABAAAAAAAAAAMAAAAEAAAAAAAAAAAAAAAAAAAAAAAAAAeAAAAaAAAAAAAAAAAAAAAAAAAAAAAAAAAAAAAECcAABAnAAAAAAAAAAAAAAAAAAAAAAAAAAAAAAAAAAAAAAAAAAAAABQAAAAAAAAAwMD/AAAAAABkAAAAMgAAAAAAAABkAAAAAAAAAH9/fwAKAAAAHwAAAFQAAAAeHh4A////AQAAAAAAAAAAAAAAAAAAAAAAAAAAAAAAAAAAAAAAAAAAAAAAAn9/fwCAgIADzMzMAMDA/wB/f38AAAAAAAAAAAAAAAAAAAAAAAAAAAAhAAAAGAAAABQAAAAAAAAAZQcAAEA4AAC4CAAAEAAAACYAAAAIAAAA//////////8="/>
+                <pr:smNativeData xmlns:pr="smNativeData" val="SMDATA_13_gcGAXRMAAAAlAAAAZAAAAA8BAAAAkAAAAEgAAACQAAAASAAAAAAAAAAAAAAAAAAAAAEAAABQAAAAAAAAAAAA4D8AAAAAAADgPwAAAAAAAOA/AAAAAAAA4D8AAAAAAADgPwAAAAAAAOA/AAAAAAAA4D8AAAAAAADgPwAAAAAAAOA/AAAAAAAA4D8CAAAAjAAAAAEAAAAAAAAAHh4eAP///wgAAAAAAAAAAAAAAAAAAAAAAAAAAAAAAAAAAAAAZAAAAAEAAABAAAAAAAAAAAAAAAAAAAAAAAAAAAAAAAAAAAAAAAAAAAAAAAAAAAAAAAAAAAAAAAAAAAAAAAAAAAAAAAAAAAAAAAAAAAAAAAAAAAAAAAAAAAAAAAAAAAAAFAAAADwAAAAAAAAAAAAAAAAAAAkAAAAAAQAAAAAAAAAAAAAAAAAAAAAAAAAAAAAAZAAAAGQAAAAAAAAAZAAAAGQAAAAVAAAAYAAAAAAAAAAAAAAADwAAACADAAAAAAAAAAAAAAEAAACgMgAAAAAAAAAAAAABAAAAf39/AAEAAABkAAAAAAAAABQAAABAHwAAAAAAACYAAAAAAAAAwOD//wAAAAAmAAAAZAAAABYAAABMAAAAAAAAAAAAAAAEAAAAAAAAAAEAAACAgIAKAAAAACgAAAAoAAAAZAAAAGQAAAAAAAAAzMzMAAAAAABQAAAAUAAAAGQAAABkAAAAAAAAABcAAAAUAAAAAAAAAAAAAAD/fwAA/38AAAAAAAAJAAAABAAAAAAAAAAMAAAAEAAAAAAAAAAAAAAAAAAAAAAAAAAeAAAAaAAAAAAAAAAAAAAAAAAAAAAAAAAAAAAAECcAABAnAAAAAAAAAAAAAAAAAAAAAAAAAAAAAAAAAAAAAAAAAAAAABQAAAAAAAAAwMD/AAAAAABkAAAAMgAAAAAAAABkAAAAAAAAAH9/fwAKAAAAHwAAAFQAAAAeHh4A////AQAAAAAAAAAAAAAAAAAAAAAAAAAAAAAAAAAAAAAAAAAAAAAAAn9/fwCAgIADzMzMAMDA/wB/f38AAAAAAAAAAAAAAAAAAAAAAAAAAAAhAAAAGAAAABQAAAAAAAAAZQcAAEA4AAC4CAAAEAAAACYAAAAIAAAA//////////8="/>
               </a:ext>
             </a:extLst>
           </p:cNvSpPr>
@@ -8559,7 +8559,7 @@
           <p:cNvSpPr>
             <a:extLst>
               <a:ext uri="smNativeData">
-                <pr:smNativeData xmlns:pr="smNativeData" val="SMDATA_13_IrKAXRMAAAAlAAAACgAAAA8BAAAAkAAAAEgAAACQAAAASAAAAAAAAAAAAAAAAAAAAAEAAABQAAAAAAAAAAAA4D8AAAAAAADgPwAAAAAAAOA/AAAAAAAA4D8AAAAAAADgPwAAAAAAAOA/AAAAAAAA4D8AAAAAAADgPwAAAAAAAOA/AAAAAAAA4D8CAAAAjAAAAAAAAAAAAAAAu+DjDP///wgAAAAAAAAAAAAAAAAAAAAAAAAAAAAAAAAAAAAAZAAAAAEAAABAAAAAAAAAAAAAAAAAAAAAAAAAAAAAAAAAAAAAAAAAAAAAAAAAAAAAAAAAAAAAAAAAAAAAAAAAAAAAAAAAAAAAAAAAAAAAAAAAAAAAAAAAAAAAAAAAAAAAFAAAADwAAAABAAAAAAAAAFVVVQBQAAAAAQAAAAQAAAAAAAAAAAAAAAAAAAAAAAAAZAAAAGQAAAACAAAAZAAAAGQAAAAVAAAAYAAAAAAAAAAAAAAADwAAACADAAAAAAAAAAAAAAEAAACgMgAAAAAAAAAAAAABAAAAf39/AAEAAABkAAAAAAAAABQAAABAHwAAAAAAACYAAAAAAAAAwOD//wAAAAAmAAAAZAAAABYAAABMAAAAAAAAAAAAAAAEAAAAAAAAAAEAAACAgIAKAAAAACgAAAAoAAAAZAAAAGQAAAAAAAAAzMzMAAAAAABQAAAAUAAAAGQAAABkAAAAAAAAABcAAAAUAAAAAAAAAAAAAAD/fwAA/38AAAAAAAAJAAAABAAAAAABAAEMAAAAEAAAAAAAAAAAAAAAAAAAAAAAAAAeAAAAaAAAAAAAAAAAAAAAAAAAAAAAAAAAAAAAECcAABAnAAAAAAAAAAAAAAAAAAAAAAAAAAAAAAAAAAAAAAAAAAAAABQAAAAAAAAAwMD/AAAAAABkAAAAMgAAAAAAAABkAAAAAAAAAH9/fwAKAAAAHwAAAFQAAAC74OMF////AQAAAAAAAAAAAAAAAAAAAAAAAAAAAAAAAAAAAAAAAAAAVVVVAH9/fwCAgIADzMzMAMDA/wB/f38AAAAAAAAAAAAAAAAAAAAAAAAAAAAhAAAAGAAAABQAAAA3HAAA0g4AADkcAAB6EAAAEAAAACYAAAAIAAAA//////////8="/>
+                <pr:smNativeData xmlns:pr="smNativeData" val="SMDATA_13_gcGAXRMAAAAlAAAACgAAAA8BAAAAkAAAAEgAAACQAAAASAAAAAAAAAAAAAAAAAAAAAEAAABQAAAAAAAAAAAA4D8AAAAAAADgPwAAAAAAAOA/AAAAAAAA4D8AAAAAAADgPwAAAAAAAOA/AAAAAAAA4D8AAAAAAADgPwAAAAAAAOA/AAAAAAAA4D8CAAAAjAAAAAAAAAAAAAAAu+DjDP///wgAAAAAAAAAAAAAAAAAAAAAAAAAAAAAAAAAAAAAZAAAAAEAAABAAAAAAAAAAAAAAAAAAAAAAAAAAAAAAAAAAAAAAAAAAAAAAAAAAAAAAAAAAAAAAAAAAAAAAAAAAAAAAAAAAAAAAAAAAAAAAAAAAAAAAAAAAAAAAAAAAAAAFAAAADwAAAABAAAAAAAAAFVVVQBQAAAAAQAAAAQAAAAAAAAAAAAAAAAAAAAAAAAAZAAAAGQAAAACAAAAZAAAAGQAAAAVAAAAYAAAAAAAAAAAAAAADwAAACADAAAAAAAAAAAAAAEAAACgMgAAAAAAAAAAAAABAAAAf39/AAEAAABkAAAAAAAAABQAAABAHwAAAAAAACYAAAAAAAAAwOD//wAAAAAmAAAAZAAAABYAAABMAAAAAAAAAAAAAAAEAAAAAAAAAAEAAACAgIAKAAAAACgAAAAoAAAAZAAAAGQAAAAAAAAAzMzMAAAAAABQAAAAUAAAAGQAAABkAAAAAAAAABcAAAAUAAAAAAAAAAAAAAD/fwAA/38AAAAAAAAJAAAABAAAAAABAAEMAAAAEAAAAAAAAAAAAAAAAAAAAAAAAAAeAAAAaAAAAAAAAAAAAAAAAAAAAAAAAAAAAAAAECcAABAnAAAAAAAAAAAAAAAAAAAAAAAAAAAAAAAAAAAAAAAAAAAAABQAAAAAAAAAwMD/AAAAAABkAAAAMgAAAAAAAABkAAAAAAAAAH9/fwAKAAAAHwAAAFQAAAC74OMF////AQAAAAAAAAAAAAAAAAAAAAAAAAAAAAAAAAAAAAAAAAAAVVVVAH9/fwCAgIADzMzMAMDA/wB/f38AAAAAAAAAAAAAAAAAAAAAAAAAAAAhAAAAGAAAABQAAAA3HAAA0g4AADkcAAB6EAAAEAAAACYAAAAIAAAA//////////8="/>
               </a:ext>
             </a:extLst>
           </p:cNvSpPr>
@@ -8591,7 +8591,7 @@
           <p:cNvSpPr>
             <a:extLst>
               <a:ext uri="smNativeData">
-                <pr:smNativeData xmlns:pr="smNativeData" val="SMDATA_13_IrKAXRMAAAAlAAAACgAAAA8BAAAAkAAAAEgAAACQAAAASAAAAAAAAAAAAAAAAAAAAAEAAABQAAAAAAAAAAAA4D8AAAAAAADgPwAAAAAAAOA/AAAAAAAA4D8AAAAAAADgPwAAAAAAAOA/AAAAAAAA4D8AAAAAAADgPwAAAAAAAOA/AAAAAAAA4D8CAAAAjAAAAAAAAAAAAAAAu+DjDP///wgAAAAAAAAAAAAAAAAAAAAAAAAAAAAAAAAAAAAAZAAAAAEAAABAAAAAAAAAAAAAAAAAAAAAAAAAAAAAAAAAAAAAAAAAAAAAAAAAAAAAAAAAAAAAAAAAAAAAAAAAAAAAAAAAAAAAAAAAAAAAAAAAAAAAAAAAAAAAAAAAAAAAFAAAADwAAAABAAAAAAAAAFVVVQBQAAAAAQAAAAQAAAAAAAAAAAAAAAAAAAAAAAAAZAAAAGQAAAACAAAAZAAAAGQAAAAVAAAAYAAAAAAAAAAAAAAADwAAACADAAAAAAAAAAAAAAEAAACgMgAAAAAAAAAAAAABAAAAf39/AAEAAABkAAAAAAAAABQAAABAHwAAAAAAACYAAAAAAAAAwOD//wAAAAAmAAAAZAAAABYAAABMAAAAAAAAAAAAAAAEAAAAAAAAAAEAAACAgIAKAAAAACgAAAAoAAAAZAAAAGQAAAAAAAAAzMzMAAAAAABQAAAAUAAAAGQAAABkAAAAAAAAABcAAAAUAAAAAAAAAAAAAAD/fwAA/38AAAAAAAAJAAAABAAAAAIAAAAMAAAAEAAAAAAAAAAAAAAAAAAAAAAAAAAeAAAAaAAAAAAAAAAAAAAAAAAAAAAAAAAAAAAAECcAABAnAAAAAAAAAAAAAAAAAAAAAAAAAAAAAAAAAAAAAAAAAAAAABQAAAAAAAAAwMD/AAAAAABkAAAAMgAAAAAAAABkAAAAAAAAAH9/fwAKAAAAHwAAAFQAAAC74OMF////AQAAAAAAAAAAAAAAAAAAAAAAAAAAAAAAAAAAAAAAAAAAVVVVAH9/fwCAgIADzMzMAMDA/wB/f38AAAAAAAAAAAAAAAAAAAAAAAAAAAAhAAAAGAAAABQAAAD0FgAA9w4AAMAaAAA7EAAAEAAAACYAAAAIAAAA//////////8="/>
+                <pr:smNativeData xmlns:pr="smNativeData" val="SMDATA_13_gcGAXRMAAAAlAAAACgAAAA8BAAAAkAAAAEgAAACQAAAASAAAAAAAAAAAAAAAAAAAAAEAAABQAAAAAAAAAAAA4D8AAAAAAADgPwAAAAAAAOA/AAAAAAAA4D8AAAAAAADgPwAAAAAAAOA/AAAAAAAA4D8AAAAAAADgPwAAAAAAAOA/AAAAAAAA4D8CAAAAjAAAAAAAAAAAAAAAu+DjDP///wgAAAAAAAAAAAAAAAAAAAAAAAAAAAAAAAAAAAAAZAAAAAEAAABAAAAAAAAAAAAAAAAAAAAAAAAAAAAAAAAAAAAAAAAAAAAAAAAAAAAAAAAAAAAAAAAAAAAAAAAAAAAAAAAAAAAAAAAAAAAAAAAAAAAAAAAAAAAAAAAAAAAAFAAAADwAAAABAAAAAAAAAFVVVQBQAAAAAQAAAAQAAAAAAAAAAAAAAAAAAAAAAAAAZAAAAGQAAAACAAAAZAAAAGQAAAAVAAAAYAAAAAAAAAAAAAAADwAAACADAAAAAAAAAAAAAAEAAACgMgAAAAAAAAAAAAABAAAAf39/AAEAAABkAAAAAAAAABQAAABAHwAAAAAAACYAAAAAAAAAwOD//wAAAAAmAAAAZAAAABYAAABMAAAAAAAAAAAAAAAEAAAAAAAAAAEAAACAgIAKAAAAACgAAAAoAAAAZAAAAGQAAAAAAAAAzMzMAAAAAABQAAAAUAAAAGQAAABkAAAAAAAAABcAAAAUAAAAAAAAAAAAAAD/fwAA/38AAAAAAAAJAAAABAAAAAIAAAAMAAAAEAAAAAAAAAAAAAAAAAAAAAAAAAAeAAAAaAAAAAAAAAAAAAAAAAAAAAAAAAAAAAAAECcAABAnAAAAAAAAAAAAAAAAAAAAAAAAAAAAAAAAAAAAAAAAAAAAABQAAAAAAAAAwMD/AAAAAABkAAAAMgAAAAAAAABkAAAAAAAAAH9/fwAKAAAAHwAAAFQAAAC74OMF////AQAAAAAAAAAAAAAAAAAAAAAAAAAAAAAAAAAAAAAAAAAAVVVVAH9/fwCAgIADzMzMAMDA/wB/f38AAAAAAAAAAAAAAAAAAAAAAAAAAAAhAAAAGAAAABQAAAD0FgAA9w4AAMAaAAA7EAAAEAAAACYAAAAIAAAA//////////8="/>
               </a:ext>
             </a:extLst>
           </p:cNvSpPr>
@@ -8623,7 +8623,7 @@
           <p:cNvSpPr>
             <a:extLst>
               <a:ext uri="smNativeData">
-                <pr:smNativeData xmlns:pr="smNativeData" val="SMDATA_13_IrKAXRMAAAAlAAAACgAAAA8BAAAAkAAAAEgAAACQAAAASAAAAAAAAAAAAAAAAAAAAAEAAABQAAAAAAAAAAAA4D8AAAAAAADgPwAAAAAAAOA/AAAAAAAA4D8AAAAAAADgPwAAAAAAAOA/AAAAAAAA4D8AAAAAAADgPwAAAAAAAOA/AAAAAAAA4D8CAAAAjAAAAAAAAAAAAAAAu+DjDP///wgAAAAAAAAAAAAAAAAAAAAAAAAAAAAAAAAAAAAAZAAAAAEAAABAAAAAAAAAAAAAAAAAAAAAAAAAAAAAAAAAAAAAAAAAAAAAAAAAAAAAAAAAAAAAAAAAAAAAAAAAAAAAAAAAAAAAAAAAAAAAAAAAAAAAAAAAAAAAAAAAAAAAFAAAADwAAAABAAAAAAAAAFVVVQBQAAAAAQAAAAQAAAAAAAAAAAAAAAAAAAAAAAAAZAAAAGQAAAACAAAAZAAAAGQAAAAVAAAAYAAAAAAAAAAAAAAADwAAACADAAAAAAAAAAAAAAEAAACgMgAAAAAAAAAAAAABAAAAf39/AAEAAABkAAAAAAAAABQAAABAHwAAAAAAACYAAAAAAAAAwOD//wAAAAAmAAAAZAAAABYAAABMAAAAAAAAAAAAAAAEAAAAAAAAAAEAAACAgIAKAAAAACgAAAAoAAAAZAAAAGQAAAAAAAAAzMzMAAAAAABQAAAAUAAAAGQAAABkAAAAAAAAABcAAAAUAAAAAAAAAAAAAAD/fwAA/38AAAAAAAAJAAAABAAAAPCptwMMAAAAEAAAAAAAAAAAAAAAAAAAAAAAAAAeAAAAaAAAAAAAAAAAAAAAAAAAAAAAAAAAAAAAECcAABAnAAAAAAAAAAAAAAAAAAAAAAAAAAAAAAAAAAAAAAAAAAAAABQAAAAAAAAAwMD/AAAAAABkAAAAMgAAAAAAAABkAAAAAAAAAH9/fwAKAAAAHwAAAFQAAAC74OMF////AQAAAAAAAAAAAAAAAAAAAAAAAAAAAAAAAAAAAAAAAAAAVVVVAH9/fwCAgIADzMzMAMDA/wB/f38AAAAAAAAAAAAAAAAAAAAAAAAAAAAhAAAAGAAAABQAAAACDwAA/xEAADAVAAA0FAAAEAAAACYAAAAIAAAA//////////8="/>
+                <pr:smNativeData xmlns:pr="smNativeData" val="SMDATA_13_gcGAXRMAAAAlAAAACgAAAA8BAAAAkAAAAEgAAACQAAAASAAAAAAAAAAAAAAAAAAAAAEAAABQAAAAAAAAAAAA4D8AAAAAAADgPwAAAAAAAOA/AAAAAAAA4D8AAAAAAADgPwAAAAAAAOA/AAAAAAAA4D8AAAAAAADgPwAAAAAAAOA/AAAAAAAA4D8CAAAAjAAAAAAAAAAAAAAAu+DjDP///wgAAAAAAAAAAAAAAAAAAAAAAAAAAAAAAAAAAAAAZAAAAAEAAABAAAAAAAAAAAAAAAAAAAAAAAAAAAAAAAAAAAAAAAAAAAAAAAAAAAAAAAAAAAAAAAAAAAAAAAAAAAAAAAAAAAAAAAAAAAAAAAAAAAAAAAAAAAAAAAAAAAAAFAAAADwAAAABAAAAAAAAAFVVVQBQAAAAAQAAAAQAAAAAAAAAAAAAAAAAAAAAAAAAZAAAAGQAAAACAAAAZAAAAGQAAAAVAAAAYAAAAAAAAAAAAAAADwAAACADAAAAAAAAAAAAAAEAAACgMgAAAAAAAAAAAAABAAAAf39/AAEAAABkAAAAAAAAABQAAABAHwAAAAAAACYAAAAAAAAAwOD//wAAAAAmAAAAZAAAABYAAABMAAAAAAAAAAAAAAAEAAAAAAAAAAEAAACAgIAKAAAAACgAAAAoAAAAZAAAAGQAAAAAAAAAzMzMAAAAAABQAAAAUAAAAGQAAABkAAAAAAAAABcAAAAUAAAAAAAAAAAAAAD/fwAA/38AAAAAAAAJAAAABAAAAPCptwMMAAAAEAAAAAAAAAAAAAAAAAAAAAAAAAAeAAAAaAAAAAAAAAAAAAAAAAAAAAAAAAAAAAAAECcAABAnAAAAAAAAAAAAAAAAAAAAAAAAAAAAAAAAAAAAAAAAAAAAABQAAAAAAAAAwMD/AAAAAABkAAAAMgAAAAAAAABkAAAAAAAAAH9/fwAKAAAAHwAAAFQAAAC74OMF////AQAAAAAAAAAAAAAAAAAAAAAAAAAAAAAAAAAAAAAAAAAAVVVVAH9/fwCAgIADzMzMAMDA/wB/f38AAAAAAAAAAAAAAAAAAAAAAAAAAAAhAAAAGAAAABQAAAACDwAA/xEAADAVAAA0FAAAEAAAACYAAAAIAAAA//////////8="/>
               </a:ext>
             </a:extLst>
           </p:cNvSpPr>
@@ -8655,7 +8655,7 @@
           <p:cNvSpPr>
             <a:extLst>
               <a:ext uri="smNativeData">
-                <pr:smNativeData xmlns:pr="smNativeData" val="SMDATA_13_IrKAXRMAAAAlAAAACgAAAA8BAAAAkAAAAEgAAACQAAAASAAAAAAAAAAAAAAAAAAAAAEAAABQAAAAAAAAAAAA4D8AAAAAAADgPwAAAAAAAOA/AAAAAAAA4D8AAAAAAADgPwAAAAAAAOA/AAAAAAAA4D8AAAAAAADgPwAAAAAAAOA/AAAAAAAA4D8CAAAAjAAAAAAAAAAAAAAAu+DjDP///wgAAAAAAAAAAAAAAAAAAAAAAAAAAAAAAAAAAAAAZAAAAAEAAABAAAAAAAAAAAAAAAAAAAAAAAAAAAAAAAAAAAAAAAAAAAAAAAAAAAAAAAAAAAAAAAAAAAAAAAAAAAAAAAAAAAAAAAAAAAAAAAAAAAAAAAAAAAAAAAAAAAAAFAAAADwAAAABAAAAAAAAAFVVVQBQAAAAAQAAAAQAAAAAAAAAAAAAAAAAAAAAAAAAZAAAAGQAAAACAAAAZAAAAGQAAAAVAAAAYAAAAAAAAAAAAAAADwAAACADAAAAAAAAAAAAAAEAAACgMgAAAAAAAAAAAAABAAAAf39/AAEAAABkAAAAAAAAABQAAABAHwAAAAAAACYAAAAAAAAAwOD//wAAAAAmAAAAZAAAABYAAABMAAAAAAAAAAAAAAAEAAAAAAAAAAEAAACAgIAKAAAAACgAAAAoAAAAZAAAAGQAAAAAAAAAzMzMAAAAAABQAAAAUAAAAGQAAABkAAAAAAAAABcAAAAUAAAAAAAAAAAAAAD/fwAA/38AAAAAAAAJAAAABAAAAAAAAAAMAAAAEAAAAAAAAAAAAAAAAAAAAAAAAAAeAAAAaAAAAAAAAAAAAAAAAAAAAAAAAAAAAAAAECcAABAnAAAAAAAAAAAAAAAAAAAAAAAAAAAAAAAAAAAAAAAAAAAAABQAAAAAAAAAwMD/AAAAAABkAAAAMgAAAAAAAABkAAAAAAAAAH9/fwAKAAAAHwAAAFQAAAC74OMF////AQAAAAAAAAAAAAAAAAAAAAAAAAAAAAAAAAAAAAAAAAAAVVVVAH9/fwCAgIADzMzMAMDA/wB/f38AAAAAAAAAAAAAAAAAAAAAAAAAAAAhAAAAGAAAABQAAACQDgAAgBkAAJIOAACnIwAAEAAAACYAAAAIAAAA//////////8="/>
+                <pr:smNativeData xmlns:pr="smNativeData" val="SMDATA_13_gcGAXRMAAAAlAAAACgAAAA8BAAAAkAAAAEgAAACQAAAASAAAAAAAAAAAAAAAAAAAAAEAAABQAAAAAAAAAAAA4D8AAAAAAADgPwAAAAAAAOA/AAAAAAAA4D8AAAAAAADgPwAAAAAAAOA/AAAAAAAA4D8AAAAAAADgPwAAAAAAAOA/AAAAAAAA4D8CAAAAjAAAAAAAAAAAAAAAu+DjDP///wgAAAAAAAAAAAAAAAAAAAAAAAAAAAAAAAAAAAAAZAAAAAEAAABAAAAAAAAAAAAAAAAAAAAAAAAAAAAAAAAAAAAAAAAAAAAAAAAAAAAAAAAAAAAAAAAAAAAAAAAAAAAAAAAAAAAAAAAAAAAAAAAAAAAAAAAAAAAAAAAAAAAAFAAAADwAAAABAAAAAAAAAFVVVQBQAAAAAQAAAAQAAAAAAAAAAAAAAAAAAAAAAAAAZAAAAGQAAAACAAAAZAAAAGQAAAAVAAAAYAAAAAAAAAAAAAAADwAAACADAAAAAAAAAAAAAAEAAACgMgAAAAAAAAAAAAABAAAAf39/AAEAAABkAAAAAAAAABQAAABAHwAAAAAAACYAAAAAAAAAwOD//wAAAAAmAAAAZAAAABYAAABMAAAAAAAAAAAAAAAEAAAAAAAAAAEAAACAgIAKAAAAACgAAAAoAAAAZAAAAGQAAAAAAAAAzMzMAAAAAABQAAAAUAAAAGQAAABkAAAAAAAAABcAAAAUAAAAAAAAAAAAAAD/fwAA/38AAAAAAAAJAAAABAAAAAAAAAAMAAAAEAAAAAAAAAAAAAAAAAAAAAAAAAAeAAAAaAAAAAAAAAAAAAAAAAAAAAAAAAAAAAAAECcAABAnAAAAAAAAAAAAAAAAAAAAAAAAAAAAAAAAAAAAAAAAAAAAABQAAAAAAAAAwMD/AAAAAABkAAAAMgAAAAAAAABkAAAAAAAAAH9/fwAKAAAAHwAAAFQAAAC74OMF////AQAAAAAAAAAAAAAAAAAAAAAAAAAAAAAAAAAAAAAAAAAAVVVVAH9/fwCAgIADzMzMAMDA/wB/f38AAAAAAAAAAAAAAAAAAAAAAAAAAAAhAAAAGAAAABQAAACQDgAAgBkAAJIOAACnIwAAEAAAACYAAAAIAAAA//////////8="/>
               </a:ext>
             </a:extLst>
           </p:cNvSpPr>
@@ -8687,7 +8687,7 @@
           <p:cNvSpPr>
             <a:extLst>
               <a:ext uri="smNativeData">
-                <pr:smNativeData xmlns:pr="smNativeData" val="SMDATA_13_IrKAXRMAAAAlAAAACgAAAA8BAAAAkAAAAEgAAACQAAAASAAAAAAAAAAAAAAAAAAAAAEAAABQAAAAAAAAAAAA4D8AAAAAAADgPwAAAAAAAOA/AAAAAAAA4D8AAAAAAADgPwAAAAAAAOA/AAAAAAAA4D8AAAAAAADgPwAAAAAAAOA/AAAAAAAA4D8CAAAAjAAAAAAAAAAAAAAAu+DjDP///wgAAAAAAAAAAAAAAAAAAAAAAAAAAAAAAAAAAAAAZAAAAAEAAABAAAAAAAAAAAAAAAAAAAAAAAAAAAAAAAAAAAAAAAAAAAAAAAAAAAAAAAAAAAAAAAAAAAAAAAAAAAAAAAAAAAAAAAAAAAAAAAAAAAAAAAAAAAAAAAAAAAAAFAAAADwAAAABAAAAAAAAAFVVVQBQAAAAAQAAAAQAAAAAAAAAAAAAAAAAAAAAAAAAZAAAAGQAAAACAAAAZAAAAGQAAAAVAAAAYAAAAAAAAAAAAAAADwAAACADAAAAAAAAAAAAAAEAAACgMgAAAAAAAAAAAAABAAAAf39/AAEAAABkAAAAAAAAABQAAABAHwAAAAAAACYAAAAAAAAAwOD//wAAAAAmAAAAZAAAABYAAABMAAAAAAAAAAAAAAAEAAAAAAAAAAEAAACAgIAKAAAAACgAAAAoAAAAZAAAAGQAAAAAAAAAzMzMAAAAAABQAAAAUAAAAGQAAABkAAAAAAAAABcAAAAUAAAAAAAAAAAAAAD/fwAA/38AAAAAAAAJAAAABAAAAAIA/f8MAAAAEAAAAAAAAAAAAAAAAAAAAAAAAAAeAAAAaAAAAAAAAAAAAAAAAAAAAAAAAAAAAAAAECcAABAnAAAAAAAAAAAAAAAAAAAAAAAAAAAAAAAAAAAAAAAAAAAAABQAAAAAAAAAwMD/AAAAAABkAAAAMgAAAAAAAABkAAAAAAAAAH9/fwAKAAAAHwAAAFQAAAC74OMF////AQAAAAAAAAAAAAAAAAAAAAAAAAAAAAAAAAAAAAAAAAAAVVVVAH9/fwCAgIADzMzMAMDA/wB/f38AAAAAAAAAAAAAAAAAAAAAAAAAAAAhAAAAGAAAABQAAAA3HAAAjBkAADkcAAAyHAAAEAAAACYAAAAIAAAA//////////8="/>
+                <pr:smNativeData xmlns:pr="smNativeData" val="SMDATA_13_gcGAXRMAAAAlAAAACgAAAA8BAAAAkAAAAEgAAACQAAAASAAAAAAAAAAAAAAAAAAAAAEAAABQAAAAAAAAAAAA4D8AAAAAAADgPwAAAAAAAOA/AAAAAAAA4D8AAAAAAADgPwAAAAAAAOA/AAAAAAAA4D8AAAAAAADgPwAAAAAAAOA/AAAAAAAA4D8CAAAAjAAAAAAAAAAAAAAAu+DjDP///wgAAAAAAAAAAAAAAAAAAAAAAAAAAAAAAAAAAAAAZAAAAAEAAABAAAAAAAAAAAAAAAAAAAAAAAAAAAAAAAAAAAAAAAAAAAAAAAAAAAAAAAAAAAAAAAAAAAAAAAAAAAAAAAAAAAAAAAAAAAAAAAAAAAAAAAAAAAAAAAAAAAAAFAAAADwAAAABAAAAAAAAAFVVVQBQAAAAAQAAAAQAAAAAAAAAAAAAAAAAAAAAAAAAZAAAAGQAAAACAAAAZAAAAGQAAAAVAAAAYAAAAAAAAAAAAAAADwAAACADAAAAAAAAAAAAAAEAAACgMgAAAAAAAAAAAAABAAAAf39/AAEAAABkAAAAAAAAABQAAABAHwAAAAAAACYAAAAAAAAAwOD//wAAAAAmAAAAZAAAABYAAABMAAAAAAAAAAAAAAAEAAAAAAAAAAEAAACAgIAKAAAAACgAAAAoAAAAZAAAAGQAAAAAAAAAzMzMAAAAAABQAAAAUAAAAGQAAABkAAAAAAAAABcAAAAUAAAAAAAAAAAAAAD/fwAA/38AAAAAAAAJAAAABAAAAAIA/f8MAAAAEAAAAAAAAAAAAAAAAAAAAAAAAAAeAAAAaAAAAAAAAAAAAAAAAAAAAAAAAAAAAAAAECcAABAnAAAAAAAAAAAAAAAAAAAAAAAAAAAAAAAAAAAAAAAAAAAAABQAAAAAAAAAwMD/AAAAAABkAAAAMgAAAAAAAABkAAAAAAAAAH9/fwAKAAAAHwAAAFQAAAC74OMF////AQAAAAAAAAAAAAAAAAAAAAAAAAAAAAAAAAAAAAAAAAAAVVVVAH9/fwCAgIADzMzMAMDA/wB/f38AAAAAAAAAAAAAAAAAAAAAAAAAAAAhAAAAGAAAABQAAAA3HAAAjBkAADkcAAAyHAAAEAAAACYAAAAIAAAA//////////8="/>
               </a:ext>
             </a:extLst>
           </p:cNvSpPr>
@@ -8719,7 +8719,7 @@
           <p:cNvSpPr>
             <a:extLst>
               <a:ext uri="smNativeData">
-                <pr:smNativeData xmlns:pr="smNativeData" val="SMDATA_13_IrKAXRMAAAAlAAAACgAAAA8BAAAAkAAAAEgAAACQAAAASAAAAAAAAAAAAAAAAAAAAAEAAABQAAAAAAAAAAAA4D8AAAAAAADgPwAAAAAAAOA/AAAAAAAA4D8AAAAAAADgPwAAAAAAAOA/AAAAAAAA4D8AAAAAAADgPwAAAAAAAOA/AAAAAAAA4D8CAAAAjAAAAAAAAAAAAAAAu+DjDP///wgAAAAAAAAAAAAAAAAAAAAAAAAAAAAAAAAAAAAAZAAAAAEAAABAAAAAAAAAAAAAAAAAAAAAAAAAAAAAAAAAAAAAAAAAAAAAAAAAAAAAAAAAAAAAAAAAAAAAAAAAAAAAAAAAAAAAAAAAAAAAAAAAAAAAAAAAAAAAAAAAAAAAFAAAADwAAAABAAAAAAAAAFVVVQBQAAAAAQAAAAQAAAAAAAAAAAAAAAAAAAAAAAAAZAAAAGQAAAACAAAAZAAAAGQAAAAVAAAAYAAAAAAAAAAAAAAADwAAACADAAAAAAAAAAAAAAEAAACgMgAAAAAAAAAAAAABAAAAf39/AAEAAABkAAAAAAAAABQAAABAHwAAAAAAACYAAAAAAAAAwOD//wAAAAAmAAAAZAAAABYAAABMAAAAAAAAAAAAAAAEAAAAAAAAAAEAAACAgIAKAAAAACgAAAAoAAAAZAAAAGQAAAAAAAAAzMzMAAAAAABQAAAAUAAAAGQAAABkAAAAAAAAABcAAAAUAAAAAAAAAAAAAAD/fwAA/38AAAAAAAAJAAAABAAAAAAAAAAMAAAAEAAAAAAAAAAAAAAAAAAAAAAAAAAeAAAAaAAAAAAAAAAAAAAAAAAAAAAAAAAAAAAAECcAABAnAAAAAAAAAAAAAAAAAAAAAAAAAAAAAAAAAAAAAAAAAAAAABQAAAAAAAAAwMD/AAAAAABkAAAAMgAAAAAAAABkAAAAAAAAAH9/fwAKAAAAHwAAAFQAAAC74OMF////AQAAAAAAAAAAAAAAAAAAAAAAAAAAAAAAAAAAAAAAAAAAVVVVAH9/fwCAgIADzMzMAMDA/wB/f38AAAAAAAAAAAAAAAAAAAAAAAAAAAAhAAAAGAAAABQAAAAfHAAAcBIAACEcAAAYFAAAEAAAACYAAAAIAAAA//////////8="/>
+                <pr:smNativeData xmlns:pr="smNativeData" val="SMDATA_13_gcGAXRMAAAAlAAAACgAAAA8BAAAAkAAAAEgAAACQAAAASAAAAAAAAAAAAAAAAAAAAAEAAABQAAAAAAAAAAAA4D8AAAAAAADgPwAAAAAAAOA/AAAAAAAA4D8AAAAAAADgPwAAAAAAAOA/AAAAAAAA4D8AAAAAAADgPwAAAAAAAOA/AAAAAAAA4D8CAAAAjAAAAAAAAAAAAAAAu+DjDP///wgAAAAAAAAAAAAAAAAAAAAAAAAAAAAAAAAAAAAAZAAAAAEAAABAAAAAAAAAAAAAAAAAAAAAAAAAAAAAAAAAAAAAAAAAAAAAAAAAAAAAAAAAAAAAAAAAAAAAAAAAAAAAAAAAAAAAAAAAAAAAAAAAAAAAAAAAAAAAAAAAAAAAFAAAADwAAAABAAAAAAAAAFVVVQBQAAAAAQAAAAQAAAAAAAAAAAAAAAAAAAAAAAAAZAAAAGQAAAACAAAAZAAAAGQAAAAVAAAAYAAAAAAAAAAAAAAADwAAACADAAAAAAAAAAAAAAEAAACgMgAAAAAAAAAAAAABAAAAf39/AAEAAABkAAAAAAAAABQAAABAHwAAAAAAACYAAAAAAAAAwOD//wAAAAAmAAAAZAAAABYAAABMAAAAAAAAAAAAAAAEAAAAAAAAAAEAAACAgIAKAAAAACgAAAAoAAAAZAAAAGQAAAAAAAAAzMzMAAAAAABQAAAAUAAAAGQAAABkAAAAAAAAABcAAAAUAAAAAAAAAAAAAAD/fwAA/38AAAAAAAAJAAAABAAAAAAAAAAMAAAAEAAAAAAAAAAAAAAAAAAAAAAAAAAeAAAAaAAAAAAAAAAAAAAAAAAAAAAAAAAAAAAAECcAABAnAAAAAAAAAAAAAAAAAAAAAAAAAAAAAAAAAAAAAAAAAAAAABQAAAAAAAAAwMD/AAAAAABkAAAAMgAAAAAAAABkAAAAAAAAAH9/fwAKAAAAHwAAAFQAAAC74OMF////AQAAAAAAAAAAAAAAAAAAAAAAAAAAAAAAAAAAAAAAAAAAVVVVAH9/fwCAgIADzMzMAMDA/wB/f38AAAAAAAAAAAAAAAAAAAAAAAAAAAAhAAAAGAAAABQAAAAfHAAAcBIAACEcAAAYFAAAEAAAACYAAAAIAAAA//////////8="/>
               </a:ext>
             </a:extLst>
           </p:cNvSpPr>
@@ -8751,7 +8751,7 @@
           <p:cNvSpPr>
             <a:extLst>
               <a:ext uri="smNativeData">
-                <pr:smNativeData xmlns:pr="smNativeData" val="SMDATA_13_IrKAXRMAAAAlAAAAZAAAAA8BAAAAkAAAAEgAAACQAAAASAAAAAAAAAABAAAAAAAAAAEAAABQAAAAAAAAAAAA4D8AAAAAAADgPwAAAAAAAOA/AAAAAAAA4D8AAAAAAADgPwAAAAAAAOA/AAAAAAAA4D8AAAAAAADgPwAAAAAAAOA/AAAAAAAA4D8CAAAAjAAAAAAAAAAAAAAAu+DjDP///wgAAAAAAAAAAAAAAAAAAAAAAAAAAAAAAAAAAAAAZAAAAAEAAABAAAAAAAAAAAAAAAAAAAAAAAAAAAAAAAAAAAAAAAAAAAAAAAAAAAAAAAAAAAAAAAAAAAAAAAAAAAAAAAAAAAAAAAAAAAAAAAAAAAAAAAAAAAAAAAAAAAAAFAAAADwAAAAAAAAAAAAAAAAAAAkUAAAAAQAAABQAAAAUAAAAFAAAAAEAAAAAAAAAZAAAAGQAAAAAAAAAZAAAAGQAAAAVAAAAYAAAAAAAAAAAAAAADwAAACADAAAAAAAAAAAAAAEAAACgMgAAVgcAAKr4//8BAAAAf39/AAEAAABkAAAAAAAAABQAAABAHwAAAAAAACYAAAAAAAAAwOD//wAAAAAmAAAAZAAAABYAAABMAAAAAAAAAAAAAAAEAAAAAAAAAAEAAACAgIAKAAAAACgAAAAoAAAAZAAAAGQAAAAAAAAAzMzMAAAAAABQAAAAUAAAAGQAAABkAAAAAAAAABcAAAAUAAAAAAAAAAAAAAD/fwAA/38AAAAAAAAJAAAABAAAAKg74hoMAAAAEAAAAAAAAAAAAAAAAAAAAAAAAAAeAAAAaAAAAAAAAAAAAAAAAAAAAAAAAAAAAAAAECcAABAnAAAAAAAAAAAAAAAAAAAAAAAAAAAAAAAAAAAAAAAAAAAAABQAAAAAAAAAwMD/AAAAAABkAAAAMgAAAAAAAABkAAAAAAAAAH9/fwAKAAAAHwAAAFQAAAC74OMF////AQAAAAAAAAAAAAAAAAAAAAAAAAAAAAAAAAAAAAAAAAAAAAAAAn9/fwCAgIADzMzMAMDA/wB/f38AAAAAAAAAAAAAAAAAAAAAAAAAAAAhAAAAGAAAABQAAABqBAAAiAMAABY0AAAoBwAAEAAAACYAAAAIAAAA//////////8="/>
+                <pr:smNativeData xmlns:pr="smNativeData" val="SMDATA_13_gcGAXRMAAAAlAAAAZAAAAA8BAAAAkAAAAEgAAACQAAAASAAAAAAAAAABAAAAAAAAAAEAAABQAAAAAAAAAAAA4D8AAAAAAADgPwAAAAAAAOA/AAAAAAAA4D8AAAAAAADgPwAAAAAAAOA/AAAAAAAA4D8AAAAAAADgPwAAAAAAAOA/AAAAAAAA4D8CAAAAjAAAAAAAAAAAAAAAu+DjDP///wgAAAAAAAAAAAAAAAAAAAAAAAAAAAAAAAAAAAAAZAAAAAEAAABAAAAAAAAAAAAAAAAAAAAAAAAAAAAAAAAAAAAAAAAAAAAAAAAAAAAAAAAAAAAAAAAAAAAAAAAAAAAAAAAAAAAAAAAAAAAAAAAAAAAAAAAAAAAAAAAAAAAAFAAAADwAAAAAAAAAAAAAAAAAAAkUAAAAAQAAABQAAAAUAAAAFAAAAAEAAAAAAAAAZAAAAGQAAAAAAAAAZAAAAGQAAAAVAAAAYAAAAAAAAAAAAAAADwAAACADAAAAAAAAAAAAAAEAAACgMgAAVgcAAKr4//8BAAAAf39/AAEAAABkAAAAAAAAABQAAABAHwAAAAAAACYAAAAAAAAAwOD//wAAAAAmAAAAZAAAABYAAABMAAAAAAAAAAAAAAAEAAAAAAAAAAEAAACAgIAKAAAAACgAAAAoAAAAZAAAAGQAAAAAAAAAzMzMAAAAAABQAAAAUAAAAGQAAABkAAAAAAAAABcAAAAUAAAAAAAAAAAAAAD/fwAA/38AAAAAAAAJAAAABAAAAKg74hoMAAAAEAAAAAAAAAAAAAAAAAAAAAAAAAAeAAAAaAAAAAAAAAAAAAAAAAAAAAAAAAAAAAAAECcAABAnAAAAAAAAAAAAAAAAAAAAAAAAAAAAAAAAAAAAAAAAAAAAABQAAAAAAAAAwMD/AAAAAABkAAAAMgAAAAAAAABkAAAAAAAAAH9/fwAKAAAAHwAAAFQAAAC74OMF////AQAAAAAAAAAAAAAAAAAAAAAAAAAAAAAAAAAAAAAAAAAAAAAAAn9/fwCAgIADzMzMAMDA/wB/f38AAAAAAAAAAAAAAAAAAAAAAAAAAAAhAAAAGAAAABQAAABqBAAAiAMAABY0AAAoBwAAEAAAACYAAAAIAAAA//////////8="/>
               </a:ext>
             </a:extLst>
           </p:cNvSpPr>
@@ -8797,7 +8797,7 @@
           <p:cNvSpPr>
             <a:extLst>
               <a:ext uri="smNativeData">
-                <pr:smNativeData xmlns:pr="smNativeData" val="SMDATA_13_IrKAXRMAAAAlAAAAZAAAAA8BAAAAkAAAAEgAAACQAAAASAAAAAAAAAAAAAAAAAAAAAEAAABQAAAAAAAAAAAA4D8AAAAAAADgPwAAAAAAAOA/AAAAAAAA4D8AAAAAAADgPwAAAAAAAOA/AAAAAAAA4D8AAAAAAADgPwAAAAAAAOA/AAAAAAAA4D8CAAAAjAAAAAAAAAAAAAAAu+DjDP///wgAAAAAAAAAAAAAAAAAAAAAAAAAAAAAAAAAAAAAZAAAAAEAAABAAAAAAAAAAAAAAAAAAAAAAAAAAAAAAAAAAAAAAAAAAAAAAAAAAAAAAAAAAAAAAAAAAAAAAAAAAAAAAAAAAAAAAAAAAAAAAAAAAAAAAAAAAAAAAAAAAAAAFAAAADwAAAABAAAAAAAAAB4eHgB4AAAAAQAAAAYAAAAAAAAAAAAAAAAAAAAAAAAAZAAAAGQAAAAAAAAAZAAAAGQAAAAVAAAAYAAAAAAAAAAAAAAADwAAACADAAAAAAAAAAAAAAEAAACgMgAAAAAAAAAAAAABAAAAf39/AAEAAABkAAAAAAAAABQAAABAHwAAAAAAACYAAAAAAAAAwOD//wAAAAAmAAAAZAAAABYAAABMAAAAAAAAAAAAAAAEAAAAAAAAAAEAAACAgIAKAAAAACgAAAAoAAAAZAAAAGQAAAAAAAAAzMzMAAAAAABQAAAAUAAAAGQAAABkAAAAAAAAABcAAAAUAAAAAAAAAAAAAAD/fwAA/38AAAAAAAAJAAAABAAAAAAAAAAMAAAAEAAAAAAAAAAAAAAAAAAAAAAAAAAeAAAAaAAAAAAAAAAAAAAAAAAAAAAAAAAAAAAAECcAABAnAAAAAAAAAAAAAAAAAAAAAAAAAAAAAAAAAAAAAAAAPAAAABQAAAAoAAAAHh4eAAAAAABkAAAAMgAAAAAAAABkAAAAAAAAAH9/fwAKAAAAHwAAAFQAAAC74OMF////AQAAAAAAAAAAAAAAAAAAAAAAAAAAAAAAAAAAAAAAAAAAHh4eAH9/fwCAgIADzMzMAB4eHgB/f38AAAAAAAAAAAAAAAAAAAAAAAAAAAAhAAAAGAAAABQAAADMGQAADQoAAKceAADoDgAAEAAAACYAAAAIAAAA//////////8="/>
+                <pr:smNativeData xmlns:pr="smNativeData" val="SMDATA_13_gcGAXRMAAAAlAAAAZAAAAA8BAAAAkAAAAEgAAACQAAAASAAAAAAAAAAAAAAAAAAAAAEAAABQAAAAAAAAAAAA4D8AAAAAAADgPwAAAAAAAOA/AAAAAAAA4D8AAAAAAADgPwAAAAAAAOA/AAAAAAAA4D8AAAAAAADgPwAAAAAAAOA/AAAAAAAA4D8CAAAAjAAAAAAAAAAAAAAAu+DjDP///wgAAAAAAAAAAAAAAAAAAAAAAAAAAAAAAAAAAAAAZAAAAAEAAABAAAAAAAAAAAAAAAAAAAAAAAAAAAAAAAAAAAAAAAAAAAAAAAAAAAAAAAAAAAAAAAAAAAAAAAAAAAAAAAAAAAAAAAAAAAAAAAAAAAAAAAAAAAAAAAAAAAAAFAAAADwAAAABAAAAAAAAAB4eHgB4AAAAAQAAAAYAAAAAAAAAAAAAAAAAAAAAAAAAZAAAAGQAAAAAAAAAZAAAAGQAAAAVAAAAYAAAAAAAAAAAAAAADwAAACADAAAAAAAAAAAAAAEAAACgMgAAAAAAAAAAAAABAAAAf39/AAEAAABkAAAAAAAAABQAAABAHwAAAAAAACYAAAAAAAAAwOD//wAAAAAmAAAAZAAAABYAAABMAAAAAAAAAAAAAAAEAAAAAAAAAAEAAACAgIAKAAAAACgAAAAoAAAAZAAAAGQAAAAAAAAAzMzMAAAAAABQAAAAUAAAAGQAAABkAAAAAAAAABcAAAAUAAAAAAAAAAAAAAD/fwAA/38AAAAAAAAJAAAABAAAAAAAAAAMAAAAEAAAAAAAAAAAAAAAAAAAAAAAAAAeAAAAaAAAAAAAAAAAAAAAAAAAAAAAAAAAAAAAECcAABAnAAAAAAAAAAAAAAAAAAAAAAAAAAAAAAAAAAAAAAAAPAAAABQAAAAoAAAAHh4eAAAAAABkAAAAMgAAAAAAAABkAAAAAAAAAH9/fwAKAAAAHwAAAFQAAAC74OMF////AQAAAAAAAAAAAAAAAAAAAAAAAAAAAAAAAAAAAAAAAAAAHh4eAH9/fwCAgIADzMzMAB4eHgB/f38AAAAAAAAAAAAAAAAAAAAAAAAAAAAhAAAAGAAAABQAAADMGQAADQoAAKceAADoDgAAEAAAACYAAAAIAAAA//////////8="/>
               </a:ext>
             </a:extLst>
           </p:cNvSpPr>
@@ -8836,7 +8836,7 @@
           <p:cNvSpPr>
             <a:extLst>
               <a:ext uri="smNativeData">
-                <pr:smNativeData xmlns:pr="smNativeData" val="SMDATA_13_IrKAXRMAAAAlAAAAZAAAAA8BAAAAkAAAAEgAAACQAAAASAAAAAAAAAAAAAAAAAAAAAEAAABQAAAAAAAAAAAA4D8AAAAAAADgPwAAAAAAAOA/AAAAAAAA4D8AAAAAAADgPwAAAAAAAOA/AAAAAAAA4D8AAAAAAADgPwAAAAAAAOA/AAAAAAAA4D8CAAAAjAAAAAAAAAAAAAAAu+DjDP///wgAAAAAAAAAAAAAAAAAAAAAAAAAAAAAAAAAAAAAZAAAAAEAAABAAAAAAAAAAAAAAAAAAAAAAAAAAAAAAAAAAAAAAAAAAAAAAAAAAAAAAAAAAAAAAAAAAAAAAAAAAAAAAAAAAAAAAAAAAAAAAAAAAAAAAAAAAAAAAAAAAAAAFAAAADwAAAABAAAAAAAAAOokQgB4AAAAAQAAAAYAAAAAAAAAAAAAAAAAAAAAAAAAZAAAAGQAAAAAAAAAZAAAAGQAAAAVAAAAYAAAAAAAAAAAAAAADwAAACADAAAAAAAAAAAAAAEAAACgMgAAAAAAAAAAAAABAAAAf39/AAEAAABkAAAAAAAAABQAAABAHwAAAAAAACYAAAAAAAAAwOD//wAAAAAmAAAAZAAAABYAAABMAAAAAAAAAAAAAAAEAAAAAAAAAAEAAACAgIAKAAAAACgAAAAoAAAAZAAAAGQAAAAAAAAAzMzMAAAAAABQAAAAUAAAAGQAAABkAAAAAAAAABcAAAAUAAAAAAAAAAAAAAD/fwAA/38AAAAAAAAJAAAABAAAACAAcwAMAAAAEAAAAAAAAAAAAAAAAAAAAAAAAAAeAAAAaAAAAAAAAAAAAAAAAAAAAAAAAAAAAAAAECcAABAnAAAAAAAAAAAAAAAAAAAAAAAAAAAAAAAAAAAAAAAAPAAAABQAAAAoAAAA6iRCAAAAAABkAAAAMgAAAAAAAABkAAAAAAAAAH9/fwAKAAAAHwAAAFQAAAC74OMF////AQAAAAAAAAAAAAAAAAAAAAAAAAAAAAAAAAAAAAAAAAAA6iRCAH9/fwCAgIADzMzMAOokQgB/f38AAAAAAAAAAAAAAAAAAAAAAAAAAAAhAAAAGAAAABQAAADMGQAApRQAAKceAACAGQAAEAAAACYAAAAIAAAA//////////8="/>
+                <pr:smNativeData xmlns:pr="smNativeData" val="SMDATA_13_gcGAXRMAAAAlAAAAZAAAAA8BAAAAkAAAAEgAAACQAAAASAAAAAAAAAAAAAAAAAAAAAEAAABQAAAAAAAAAAAA4D8AAAAAAADgPwAAAAAAAOA/AAAAAAAA4D8AAAAAAADgPwAAAAAAAOA/AAAAAAAA4D8AAAAAAADgPwAAAAAAAOA/AAAAAAAA4D8CAAAAjAAAAAAAAAAAAAAAu+DjDP///wgAAAAAAAAAAAAAAAAAAAAAAAAAAAAAAAAAAAAAZAAAAAEAAABAAAAAAAAAAAAAAAAAAAAAAAAAAAAAAAAAAAAAAAAAAAAAAAAAAAAAAAAAAAAAAAAAAAAAAAAAAAAAAAAAAAAAAAAAAAAAAAAAAAAAAAAAAAAAAAAAAAAAFAAAADwAAAABAAAAAAAAAOokQgB4AAAAAQAAAAYAAAAAAAAAAAAAAAAAAAAAAAAAZAAAAGQAAAAAAAAAZAAAAGQAAAAVAAAAYAAAAAAAAAAAAAAADwAAACADAAAAAAAAAAAAAAEAAACgMgAAAAAAAAAAAAABAAAAf39/AAEAAABkAAAAAAAAABQAAABAHwAAAAAAACYAAAAAAAAAwOD//wAAAAAmAAAAZAAAABYAAABMAAAAAAAAAAAAAAAEAAAAAAAAAAEAAACAgIAKAAAAACgAAAAoAAAAZAAAAGQAAAAAAAAAzMzMAAAAAABQAAAAUAAAAGQAAABkAAAAAAAAABcAAAAUAAAAAAAAAAAAAAD/fwAA/38AAAAAAAAJAAAABAAAACAAcwAMAAAAEAAAAAAAAAAAAAAAAAAAAAAAAAAeAAAAaAAAAAAAAAAAAAAAAAAAAAAAAAAAAAAAECcAABAnAAAAAAAAAAAAAAAAAAAAAAAAAAAAAAAAAAAAAAAAPAAAABQAAAAoAAAA6iRCAAAAAABkAAAAMgAAAAAAAABkAAAAAAAAAH9/fwAKAAAAHwAAAFQAAAC74OMF////AQAAAAAAAAAAAAAAAAAAAAAAAAAAAAAAAAAAAAAAAAAA6iRCAH9/fwCAgIADzMzMAOokQgB/f38AAAAAAAAAAAAAAAAAAAAAAAAAAAAhAAAAGAAAABQAAADMGQAApRQAAKceAACAGQAAEAAAACYAAAAIAAAA//////////8="/>
               </a:ext>
             </a:extLst>
           </p:cNvSpPr>
@@ -8875,7 +8875,7 @@
           <p:cNvSpPr>
             <a:extLst>
               <a:ext uri="smNativeData">
-                <pr:smNativeData xmlns:pr="smNativeData" val="SMDATA_13_IrKAXRMAAAAlAAAAZAAAAA8BAAAAkAAAAEgAAACQAAAASAAAAAAAAAAAAAAAAAAAAAEAAABQAAAAAAAAAAAA4D8AAAAAAADgPwAAAAAAAOA/AAAAAAAA4D8AAAAAAADgPwAAAAAAAOA/AAAAAAAA4D8AAAAAAADgPwAAAAAAAOA/AAAAAAAA4D8CAAAAjAAAAAAAAAAAAAAAu+DjDP///wgAAAAAAAAAAAAAAAAAAAAAAAAAAAAAAAAAAAAAZAAAAAEAAABAAAAAAAAAAAAAAAAAAAAAAAAAAAAAAAAAAAAAAAAAAAAAAAAAAAAAAAAAAAAAAAAAAAAAAAAAAAAAAAAAAAAAAAAAAAAAAAAAAAAAAAAAAAAAAAAAAAAAFAAAADwAAAABAAAAAAAAAB4eHgB4AAAAAQAAAAYAAAAAAAAAAAAAAAAAAAAAAAAAZAAAAGQAAAAAAAAAZAAAAGQAAAAVAAAAYAAAAAAAAAAAAAAADwAAACADAAAAAAAAAAAAAAEAAACgMgAAAAAAAAAAAAABAAAAf39/AAEAAABkAAAAAAAAABQAAABAHwAAAAAAACYAAAAAAAAAwOD//wAAAAAmAAAAZAAAABYAAABMAAAAAAAAAAAAAAAEAAAAAAAAAAEAAACAgIAKAAAAACgAAAAoAAAAZAAAAGQAAAAAAAAAzMzMAAAAAABQAAAAUAAAAGQAAABkAAAAAAAAABcAAAAUAAAAAAAAAAAAAAD/fwAA/38AAAAAAAAJAAAABAAAAAAAAAAMAAAAEAAAAAAAAAAAAAAAAAAAAAAAAAAeAAAAaAAAAAAAAAAAAAAAAAAAAAAAAAAAAAAAECcAABAnAAAAAAAAAAAAAAAAAAAAAAAAAAAAAAAAAAAAAAAAPAAAABQAAAAoAAAAHh4eAAAAAABkAAAAMgAAAAAAAABkAAAAAAAAAH9/fwAKAAAAHwAAAFQAAAC74OMF////AQAAAAAAAAAAAAAAAAAAAAAAAAAAAAAAAAAAAAAAAAAAHh4eAH9/fwCAgIADzMzMAB4eHgB/f38AAAAAAAAAAAAAAAAAAAAAAAAAAAAhAAAAGAAAABQAAADMGQAAZRwAAKceAABAIQAAEAAAACYAAAAIAAAA//////////8="/>
+                <pr:smNativeData xmlns:pr="smNativeData" val="SMDATA_13_gcGAXRMAAAAlAAAAZAAAAA8BAAAAkAAAAEgAAACQAAAASAAAAAAAAAAAAAAAAAAAAAEAAABQAAAAAAAAAAAA4D8AAAAAAADgPwAAAAAAAOA/AAAAAAAA4D8AAAAAAADgPwAAAAAAAOA/AAAAAAAA4D8AAAAAAADgPwAAAAAAAOA/AAAAAAAA4D8CAAAAjAAAAAAAAAAAAAAAu+DjDP///wgAAAAAAAAAAAAAAAAAAAAAAAAAAAAAAAAAAAAAZAAAAAEAAABAAAAAAAAAAAAAAAAAAAAAAAAAAAAAAAAAAAAAAAAAAAAAAAAAAAAAAAAAAAAAAAAAAAAAAAAAAAAAAAAAAAAAAAAAAAAAAAAAAAAAAAAAAAAAAAAAAAAAFAAAADwAAAABAAAAAAAAAB4eHgB4AAAAAQAAAAYAAAAAAAAAAAAAAAAAAAAAAAAAZAAAAGQAAAAAAAAAZAAAAGQAAAAVAAAAYAAAAAAAAAAAAAAADwAAACADAAAAAAAAAAAAAAEAAACgMgAAAAAAAAAAAAABAAAAf39/AAEAAABkAAAAAAAAABQAAABAHwAAAAAAACYAAAAAAAAAwOD//wAAAAAmAAAAZAAAABYAAABMAAAAAAAAAAAAAAAEAAAAAAAAAAEAAACAgIAKAAAAACgAAAAoAAAAZAAAAGQAAAAAAAAAzMzMAAAAAABQAAAAUAAAAGQAAABkAAAAAAAAABcAAAAUAAAAAAAAAAAAAAD/fwAA/38AAAAAAAAJAAAABAAAAAAAAAAMAAAAEAAAAAAAAAAAAAAAAAAAAAAAAAAeAAAAaAAAAAAAAAAAAAAAAAAAAAAAAAAAAAAAECcAABAnAAAAAAAAAAAAAAAAAAAAAAAAAAAAAAAAAAAAAAAAPAAAABQAAAAoAAAAHh4eAAAAAABkAAAAMgAAAAAAAABkAAAAAAAAAH9/fwAKAAAAHwAAAFQAAAC74OMF////AQAAAAAAAAAAAAAAAAAAAAAAAAAAAAAAAAAAAAAAAAAAHh4eAH9/fwCAgIADzMzMAB4eHgB/f38AAAAAAAAAAAAAAAAAAAAAAAAAAAAhAAAAGAAAABQAAADMGQAAZRwAAKceAABAIQAAEAAAACYAAAAIAAAA//////////8="/>
               </a:ext>
             </a:extLst>
           </p:cNvSpPr>
@@ -8914,7 +8914,7 @@
           <p:cNvSpPr>
             <a:extLst>
               <a:ext uri="smNativeData">
-                <pr:smNativeData xmlns:pr="smNativeData" val="SMDATA_13_IrKAXRMAAAAlAAAAZAAAAA8BAAAAkAAAAEgAAACQAAAASAAAAAAAAAAAAAAAAAAAAAEAAABQAAAAAAAAAAAA4D8AAAAAAADgPwAAAAAAAOA/AAAAAAAA4D8AAAAAAADgPwAAAAAAAOA/AAAAAAAA4D8AAAAAAADgPwAAAAAAAOA/AAAAAAAA4D8CAAAAjAAAAAAAAAAAAAAAu+DjDP///wgAAAAAAAAAAAAAAAAAAAAAAAAAAAAAAAAAAAAAZAAAAAEAAABAAAAAAAAAAAAAAAAAAAAAAAAAAAAAAAAAAAAAAAAAAAAAAAAAAAAAAAAAAAAAAAAAAAAAAAAAAAAAAAAAAAAAAAAAAAAAAAAAAAAAAAAAAAAAAAAAAAAAFAAAADwAAAABAAAAAAAAAB4eHgB4AAAAAQAAAAYAAAAAAAAAAAAAAAAAAAAAAAAAZAAAAGQAAAAAAAAAZAAAAGQAAAAVAAAAYAAAAAAAAAAAAAAADwAAACADAAAAAAAAAAAAAAEAAACgMgAAAAAAAAAAAAABAAAAf39/AAEAAABkAAAAAAAAABQAAABAHwAAAAAAACYAAAAAAAAAwOD//wAAAAAmAAAAZAAAABYAAABMAAAAAAAAAAAAAAAEAAAAAAAAAAEAAACAgIAKAAAAACgAAAAoAAAAZAAAAGQAAAAAAAAAzMzMAAAAAABQAAAAUAAAAGQAAABkAAAAAAAAABcAAAAUAAAAAAAAAAAAAAD/fwAA/38AAAAAAAAJAAAABAAAAAIA/f8MAAAAEAAAAAAAAAAAAAAAAAAAAAAAAAAeAAAAaAAAAAAAAAAAAAAAAAAAAAAAAAAAAAAAECcAABAnAAAAAAAAAAAAAAAAAAAAAAAAAAAAAAAAAAAAAAAAPAAAABQAAAAoAAAAHh4eAAAAAABkAAAAMgAAAAAAAABkAAAAAAAAAH9/fwAKAAAAHwAAAFQAAAC74OMF////AQAAAAAAAAAAAAAAAAAAAAAAAAAAAAAAAAAAAAAAAAAAHh4eAH9/fwCAgIADzMzMAB4eHgB/f38AAAAAAAAAAAAAAAAAAAAAAAAAAAAhAAAAGAAAABQAAAA3DAAAGCQAABIRAADzKAAAEAAAACYAAAAIAAAA//////////8="/>
+                <pr:smNativeData xmlns:pr="smNativeData" val="SMDATA_13_gcGAXRMAAAAlAAAAZAAAAA8BAAAAkAAAAEgAAACQAAAASAAAAAAAAAAAAAAAAAAAAAEAAABQAAAAAAAAAAAA4D8AAAAAAADgPwAAAAAAAOA/AAAAAAAA4D8AAAAAAADgPwAAAAAAAOA/AAAAAAAA4D8AAAAAAADgPwAAAAAAAOA/AAAAAAAA4D8CAAAAjAAAAAAAAAAAAAAAu+DjDP///wgAAAAAAAAAAAAAAAAAAAAAAAAAAAAAAAAAAAAAZAAAAAEAAABAAAAAAAAAAAAAAAAAAAAAAAAAAAAAAAAAAAAAAAAAAAAAAAAAAAAAAAAAAAAAAAAAAAAAAAAAAAAAAAAAAAAAAAAAAAAAAAAAAAAAAAAAAAAAAAAAAAAAFAAAADwAAAABAAAAAAAAAB4eHgB4AAAAAQAAAAYAAAAAAAAAAAAAAAAAAAAAAAAAZAAAAGQAAAAAAAAAZAAAAGQAAAAVAAAAYAAAAAAAAAAAAAAADwAAACADAAAAAAAAAAAAAAEAAACgMgAAAAAAAAAAAAABAAAAf39/AAEAAABkAAAAAAAAABQAAABAHwAAAAAAACYAAAAAAAAAwOD//wAAAAAmAAAAZAAAABYAAABMAAAAAAAAAAAAAAAEAAAAAAAAAAEAAACAgIAKAAAAACgAAAAoAAAAZAAAAGQAAAAAAAAAzMzMAAAAAABQAAAAUAAAAGQAAABkAAAAAAAAABcAAAAUAAAAAAAAAAAAAAD/fwAA/38AAAAAAAAJAAAABAAAAAIA/f8MAAAAEAAAAAAAAAAAAAAAAAAAAAAAAAAeAAAAaAAAAAAAAAAAAAAAAAAAAAAAAAAAAAAAECcAABAnAAAAAAAAAAAAAAAAAAAAAAAAAAAAAAAAAAAAAAAAPAAAABQAAAAoAAAAHh4eAAAAAABkAAAAMgAAAAAAAABkAAAAAAAAAH9/fwAKAAAAHwAAAFQAAAC74OMF////AQAAAAAAAAAAAAAAAAAAAAAAAAAAAAAAAAAAAAAAAAAAHh4eAH9/fwCAgIADzMzMAB4eHgB/f38AAAAAAAAAAAAAAAAAAAAAAAAAAAAhAAAAGAAAABQAAAA3DAAAGCQAABIRAADzKAAAEAAAACYAAAAIAAAA//////////8="/>
               </a:ext>
             </a:extLst>
           </p:cNvSpPr>
@@ -8953,7 +8953,7 @@
           <p:cNvSpPr>
             <a:extLst>
               <a:ext uri="smNativeData">
-                <pr:smNativeData xmlns:pr="smNativeData" val="SMDATA_13_IrKAXRMAAAAlAAAAZAAAAA8BAAAAkAAAAEgAAACQAAAASAAAAAAAAAAAAAAAAAAAAAEAAABQAAAAAAAAAAAA4D8AAAAAAADgPwAAAAAAAOA/AAAAAAAA4D8AAAAAAADgPwAAAAAAAOA/AAAAAAAA4D8AAAAAAADgPwAAAAAAAOA/AAAAAAAA4D8CAAAAjAAAAAAAAAAAAAAAu+DjDP///wgAAAAAAAAAAAAAAAAAAAAAAAAAAAAAAAAAAAAAZAAAAAEAAABAAAAAAAAAAAAAAAAAAAAAAAAAAAAAAAAAAAAAAAAAAAAAAAAAAAAAAAAAAAAAAAAAAAAAAAAAAAAAAAAAAAAAAAAAAAAAAAAAAAAAAAAAAAAAAAAAAAAAFAAAADwAAAABAAAAAAAAAB4eHgB4AAAAAQAAAAYAAAAAAAAAAAAAAAAAAAAAAAAAZAAAAGQAAAAAAAAAZAAAAGQAAAAVAAAAYAAAAAAAAAAAAAAADwAAACADAAAAAAAAAAAAAAEAAACgMgAAAAAAAAAAAAABAAAAf39/AAEAAABkAAAAAAAAABQAAABAHwAAAAAAACYAAAAAAAAAwOD//wAAAAAmAAAAZAAAABYAAABMAAAAAAAAAAAAAAAEAAAAAAAAAAEAAACAgIAKAAAAACgAAAAoAAAAZAAAAGQAAAAAAAAAzMzMAAAAAABQAAAAUAAAAGQAAABkAAAAAAAAABcAAAAUAAAAAAAAAAAAAAD/fwAA/38AAAAAAAAJAAAABAAAAAIA/f8MAAAAEAAAAAAAAAAAAAAAAAAAAAAAAAAeAAAAaAAAAAAAAAAAAAAAAAAAAAAAAAAAAAAAECcAABAnAAAAAAAAAAAAAAAAAAAAAAAAAAAAAAAAAAAAAAAAPAAAABQAAAAoAAAAHh4eAAAAAABkAAAAMgAAAAAAAABkAAAAAAAAAH9/fwAKAAAAHwAAAFQAAAC74OMF////AQAAAAAAAAAAAAAAAAAAAAAAAAAAAAAAAAAAAAAAAAAAHh4eAH9/fwCAgIADzMzMAB4eHgB/f38AAAAAAAAAAAAAAAAAAAAAAAAAAAAhAAAAGAAAABQAAABcDAAApRQAADcRAACAGQAAEAAAACYAAAAIAAAA//////////8="/>
+                <pr:smNativeData xmlns:pr="smNativeData" val="SMDATA_13_gcGAXRMAAAAlAAAAZAAAAA8BAAAAkAAAAEgAAACQAAAASAAAAAAAAAAAAAAAAAAAAAEAAABQAAAAAAAAAAAA4D8AAAAAAADgPwAAAAAAAOA/AAAAAAAA4D8AAAAAAADgPwAAAAAAAOA/AAAAAAAA4D8AAAAAAADgPwAAAAAAAOA/AAAAAAAA4D8CAAAAjAAAAAAAAAAAAAAAu+DjDP///wgAAAAAAAAAAAAAAAAAAAAAAAAAAAAAAAAAAAAAZAAAAAEAAABAAAAAAAAAAAAAAAAAAAAAAAAAAAAAAAAAAAAAAAAAAAAAAAAAAAAAAAAAAAAAAAAAAAAAAAAAAAAAAAAAAAAAAAAAAAAAAAAAAAAAAAAAAAAAAAAAAAAAFAAAADwAAAABAAAAAAAAAB4eHgB4AAAAAQAAAAYAAAAAAAAAAAAAAAAAAAAAAAAAZAAAAGQAAAAAAAAAZAAAAGQAAAAVAAAAYAAAAAAAAAAAAAAADwAAACADAAAAAAAAAAAAAAEAAACgMgAAAAAAAAAAAAABAAAAf39/AAEAAABkAAAAAAAAABQAAABAHwAAAAAAACYAAAAAAAAAwOD//wAAAAAmAAAAZAAAABYAAABMAAAAAAAAAAAAAAAEAAAAAAAAAAEAAACAgIAKAAAAACgAAAAoAAAAZAAAAGQAAAAAAAAAzMzMAAAAAABQAAAAUAAAAGQAAABkAAAAAAAAABcAAAAUAAAAAAAAAAAAAAD/fwAA/38AAAAAAAAJAAAABAAAAAIA/f8MAAAAEAAAAAAAAAAAAAAAAAAAAAAAAAAeAAAAaAAAAAAAAAAAAAAAAAAAAAAAAAAAAAAAECcAABAnAAAAAAAAAAAAAAAAAAAAAAAAAAAAAAAAAAAAAAAAPAAAABQAAAAoAAAAHh4eAAAAAABkAAAAMgAAAAAAAABkAAAAAAAAAH9/fwAKAAAAHwAAAFQAAAC74OMF////AQAAAAAAAAAAAAAAAAAAAAAAAAAAAAAAAAAAAAAAAAAAHh4eAH9/fwCAgIADzMzMAB4eHgB/f38AAAAAAAAAAAAAAAAAAAAAAAAAAAAhAAAAGAAAABQAAABcDAAApRQAADcRAACAGQAAEAAAACYAAAAIAAAA//////////8="/>
               </a:ext>
             </a:extLst>
           </p:cNvSpPr>
@@ -8992,7 +8992,7 @@
           <p:cNvSpPr>
             <a:extLst>
               <a:ext uri="smNativeData">
-                <pr:smNativeData xmlns:pr="smNativeData" val="SMDATA_13_IrKAXRMAAAAlAAAAZAAAAA8BAAAAkAAAAEgAAACQAAAASAAAAAAAAAAAAAAAAAAAAAEAAABQAAAAAAAAAAAA4D8AAAAAAADgPwAAAAAAAOA/AAAAAAAA4D8AAAAAAADgPwAAAAAAAOA/AAAAAAAA4D8AAAAAAADgPwAAAAAAAOA/AAAAAAAA4D8CAAAAjAAAAAAAAAAAAAAAu+DjDP///wgAAAAAAAAAAAAAAAAAAAAAAAAAAAAAAAAAAAAAZAAAAAEAAABAAAAAAAAAAAAAAAAAAAAAAAAAAAAAAAAAAAAAAAAAAAAAAAAAAAAAAAAAAAAAAAAAAAAAAAAAAAAAAAAAAAAAAAAAAAAAAAAAAAAAAAAAAAAAAAAAAAAAFAAAADwAAAABAAAAAAAAABx9HAA8AAAAAQAAAAMAAAAAAAAAAAAAAAAAAAAAAAAAZAAAAGQAAAAAAAAAZAAAAGQAAAAVAAAAYAAAAAAAAAAAAAAADwAAACADAAAAAAAAAAAAAAEAAACgMgAAAAAAAAAAAAABAAAAf39/AAEAAABkAAAAAAAAABQAAABAHwAAAAAAACYAAAAAAAAAwOD//wAAAAAmAAAAZAAAABYAAABMAAAAAAAAAAAAAAAEAAAAAAAAAAEAAACAgIAKAAAAACgAAAAoAAAAZAAAAGQAAAAAAAAAzMzMAAAAAABQAAAAUAAAAGQAAABkAAAAAAAAABcAAAAUAAAAAAAAAAAAAAD/fwAA/38AAAAAAAAJAAAABAAAAAAAAAAMAAAAEAAAAAAAAAAAAAAAAAAAAAAAAAAeAAAAaAAAAAAAAAAAAAAAAAAAAAAAAAAAAAAAECcAABAnAAAAAAAAAAAAAAAAAAAAAAAAAAAAAAAAAAAAAAAAPAAAABQAAAAoAAAAHH0cAAAAAABkAAAAMgAAAAAAAABkAAAAAAAAAH9/fwAKAAAAHwAAAFQAAAC74OMF////AQAAAAAAAAAAAAAAAAAAAAAAAAAAAAAAAAAAAAAAAAAAHH0cAH9/fwCAgIADzMzMABx9HAB/f38AAAAAAAAAAAAAAAAAAAAAAAAAAAAhAAAAGAAAABQAAAAnCgAAUhMAAGwTAABEGwAAEAAAACYAAAAIAAAA//////////8="/>
+                <pr:smNativeData xmlns:pr="smNativeData" val="SMDATA_13_gcGAXRMAAAAlAAAAZAAAAA8BAAAAkAAAAEgAAACQAAAASAAAAAAAAAAAAAAAAAAAAAEAAABQAAAAAAAAAAAA4D8AAAAAAADgPwAAAAAAAOA/AAAAAAAA4D8AAAAAAADgPwAAAAAAAOA/AAAAAAAA4D8AAAAAAADgPwAAAAAAAOA/AAAAAAAA4D8CAAAAjAAAAAAAAAAAAAAAu+DjDP///wgAAAAAAAAAAAAAAAAAAAAAAAAAAAAAAAAAAAAAZAAAAAEAAABAAAAAAAAAAAAAAAAAAAAAAAAAAAAAAAAAAAAAAAAAAAAAAAAAAAAAAAAAAAAAAAAAAAAAAAAAAAAAAAAAAAAAAAAAAAAAAAAAAAAAAAAAAAAAAAAAAAAAFAAAADwAAAABAAAAAAAAABx9HAA8AAAAAQAAAAMAAAAAAAAAAAAAAAAAAAAAAAAAZAAAAGQAAAAAAAAAZAAAAGQAAAAVAAAAYAAAAAAAAAAAAAAADwAAACADAAAAAAAAAAAAAAEAAACgMgAAAAAAAAAAAAABAAAAf39/AAEAAABkAAAAAAAAABQAAABAHwAAAAAAACYAAAAAAAAAwOD//wAAAAAmAAAAZAAAABYAAABMAAAAAAAAAAAAAAAEAAAAAAAAAAEAAACAgIAKAAAAACgAAAAoAAAAZAAAAGQAAAAAAAAAzMzMAAAAAABQAAAAUAAAAGQAAABkAAAAAAAAABcAAAAUAAAAAAAAAAAAAAD/fwAA/38AAAAAAAAJAAAABAAAAAAAAAAMAAAAEAAAAAAAAAAAAAAAAAAAAAAAAAAeAAAAaAAAAAAAAAAAAAAAAAAAAAAAAAAAAAAAECcAABAnAAAAAAAAAAAAAAAAAAAAAAAAAAAAAAAAAAAAAAAAPAAAABQAAAAoAAAAHH0cAAAAAABkAAAAMgAAAAAAAABkAAAAAAAAAH9/fwAKAAAAHwAAAFQAAAC74OMF////AQAAAAAAAAAAAAAAAAAAAAAAAAAAAAAAAAAAAAAAAAAAHH0cAH9/fwCAgIADzMzMABx9HAB/f38AAAAAAAAAAAAAAAAAAAAAAAAAAAAhAAAAGAAAABQAAAAnCgAAUhMAAGwTAABEGwAAEAAAACYAAAAIAAAA//////////8="/>
               </a:ext>
             </a:extLst>
           </p:cNvSpPr>
@@ -9031,7 +9031,7 @@
           <p:cNvSpPr txBox="1">
             <a:extLst>
               <a:ext uri="smNativeData">
-                <pr:smNativeData xmlns:pr="smNativeData" val="SMDATA_13_IrKAXRMAAAAlAAAAEgAAAE8BAAAAkAAAAEgAAACQAAAASAAAAAAAAAAAAAAAAAAAAAEAAABQAAAAAAAAAAAA4D8AAAAAAADgPwAAAAAAAOA/AAAAAAAA4D8AAAAAAADgPwAAAAAAAOA/AAAAAAAA4D8AAAAAAADgPwAAAAAAAOA/AAAAAAAA4D8CAAAAjAAAAAAAAAAAAAAAu+DjDP///wgAAAAAAAAAAAAAAAAAAAAAAAAAAAAAAAAAAAAAZAAAAAEAAABAAAAAAAAAAAAAAAAAAAAAAAAAAAAAAAAAAAAAAAAAAAAAAAAAAAAAAAAAAAAAAAAAAAAAAAAAAAAAAAAAAAAAAAAAAAAAAAAAAAAAAAAAAAAAAAAAAAAAFAAAADwAAAAAAAAAAAAAAAAAAAkUAAAAAQAAABQAAAAUAAAAFAAAAAEAAAAAAAAAZAAAAGQAAAAAAAAAZAAAAGQAAAAVAAAAYAAAAAAAAAAAAAAADwAAACADAAAAAAAAAAAAAAEAAACgMgAAVgcAAKr4//8BAAAAf39/AAEAAABkAAAAAAAAABQAAABAHwAAAAAAACYAAAAAAAAAwOD//wAAAAAmAAAAZAAAABYAAABMAAAAAAAAAAAAAAAEAAAAAAAAAAEAAACAgIAKAAAAACgAAAAoAAAAZAAAAGQAAAAAAAAAzMzMAAAAAABQAAAAUAAAAGQAAABkAAAAAAAAABcAAAAUAAAAAAAAANwIAAD/fwAA/38AAAAAAAAJAAAABAAAAAAAAAAMAAAAEAAAAAAAAAAAAAAAAAAAAAAAAAAeAAAAaAAAAAAAAAAAAAAAAAAAAAAAAAAAAAAAECcAABAnAAAAAAAAAAAAAAAAAAAAAAAAAAAAAAAAAAAAAAAAAAAAABQAAAAAAAAAwMD/AAAAAABkAAAAMgAAAAAAAABkAAAAAAAAAH9/fwAKAAAAHwAAAFQAAAC74OMF////AQAAAAAAAAAAAAAAAAAAAAAAAAAAAAAAAAAAAAAAAAAAAAAAAn9/fwCAgIADzMzMAMDA/wB/f38AAAAAAAAAAAAAAAAAAAAAAAAAAAAhAAAAGAAAABQAAAADGgAA5woAAHUeAAB3DgAAECAAACYAAAAIAAAA//////////8="/>
+                <pr:smNativeData xmlns:pr="smNativeData" val="SMDATA_13_gcGAXRMAAAAlAAAAEgAAAE8BAAAAkAAAAEgAAACQAAAASAAAAAAAAAAAAAAAAAAAAAEAAABQAAAAAAAAAAAA4D8AAAAAAADgPwAAAAAAAOA/AAAAAAAA4D8AAAAAAADgPwAAAAAAAOA/AAAAAAAA4D8AAAAAAADgPwAAAAAAAOA/AAAAAAAA4D8CAAAAjAAAAAAAAAAAAAAAu+DjDP///wgAAAAAAAAAAAAAAAAAAAAAAAAAAAAAAAAAAAAAZAAAAAEAAABAAAAAAAAAAAAAAAAAAAAAAAAAAAAAAAAAAAAAAAAAAAAAAAAAAAAAAAAAAAAAAAAAAAAAAAAAAAAAAAAAAAAAAAAAAAAAAAAAAAAAAAAAAAAAAAAAAAAAFAAAADwAAAAAAAAAAAAAAAAAAAkUAAAAAQAAABQAAAAUAAAAFAAAAAEAAAAAAAAAZAAAAGQAAAAAAAAAZAAAAGQAAAAVAAAAYAAAAAAAAAAAAAAADwAAACADAAAAAAAAAAAAAAEAAACgMgAAVgcAAKr4//8BAAAAf39/AAEAAABkAAAAAAAAABQAAABAHwAAAAAAACYAAAAAAAAAwOD//wAAAAAmAAAAZAAAABYAAABMAAAAAAAAAAAAAAAEAAAAAAAAAAEAAACAgIAKAAAAACgAAAAoAAAAZAAAAGQAAAAAAAAAzMzMAAAAAABQAAAAUAAAAGQAAABkAAAAAAAAABcAAAAUAAAAAAAAANwIAAD/fwAA/38AAAAAAAAJAAAABAAAAAAAAAAMAAAAEAAAAAAAAAAAAAAAAAAAAAAAAAAeAAAAaAAAAAAAAAAAAAAAAAAAAAAAAAAAAAAAECcAABAnAAAAAAAAAAAAAAAAAAAAAAAAAAAAAAAAAAAAAAAAAAAAABQAAAAAAAAAwMD/AAAAAABkAAAAMgAAAAAAAABkAAAAAAAAAH9/fwAKAAAAHwAAAFQAAAC74OMF////AQAAAAAAAAAAAAAAAAAAAAAAAAAAAAAAAAAAAAAAAAAAAAAAAn9/fwCAgIADzMzMAMDA/wB/f38AAAAAAAAAAAAAAAAAAAAAAAAAAAAhAAAAGAAAABQAAAADGgAA5woAAHUeAAB3DgAAECAAACYAAAAIAAAA//////////8="/>
               </a:ext>
             </a:extLst>
           </p:cNvSpPr>
@@ -9094,7 +9094,7 @@
           <p:cNvSpPr txBox="1">
             <a:extLst>
               <a:ext uri="smNativeData">
-                <pr:smNativeData xmlns:pr="smNativeData" val="SMDATA_13_IrKAXRMAAAAlAAAAEgAAAE8BAAAAkAAAAEgAAACQAAAASAAAAAAAAAAAAAAAAAAAAAEAAABQAAAAAAAAAAAA4D8AAAAAAADgPwAAAAAAAOA/AAAAAAAA4D8AAAAAAADgPwAAAAAAAOA/AAAAAAAA4D8AAAAAAADgPwAAAAAAAOA/AAAAAAAA4D8CAAAAjAAAAAAAAAAAAAAAu+DjDP///wgAAAAAAAAAAAAAAAAAAAAAAAAAAAAAAAAAAAAAZAAAAAEAAABAAAAAAAAAAAAAAAAAAAAAAAAAAAAAAAAAAAAAAAAAAAAAAAAAAAAAAAAAAAAAAAAAAAAAAAAAAAAAAAAAAAAAAAAAAAAAAAAAAAAAAAAAAAAAAAAAAAAAFAAAADwAAAAAAAAAAAAAAAAAAAkUAAAAAQAAABQAAAAUAAAAFAAAAAEAAAAAAAAAZAAAAGQAAAAAAAAAZAAAAGQAAAAVAAAAYAAAAAAAAAAAAAAADwAAACADAAAAAAAAAAAAAAEAAACgMgAAVgcAAKr4//8BAAAAf39/AAEAAABkAAAAAAAAABQAAABAHwAAAAAAACYAAAAAAAAAwOD//wAAAAAmAAAAZAAAABYAAABMAAAAAAAAAAAAAAAEAAAAAAAAAAEAAACAgIAKAAAAACgAAAAoAAAAZAAAAGQAAAAAAAAAzMzMAAAAAABQAAAAUAAAAGQAAABkAAAAAAAAABcAAAAUAAAAAAAAANwIAAD/fwAA/38AAAAAAAAJAAAABAAAAAIA/f8MAAAAEAAAAAAAAAAAAAAAAAAAAAAAAAAeAAAAaAAAAAAAAAAAAAAAAAAAAAAAAAAAAAAAECcAABAnAAAAAAAAAAAAAAAAAAAAAAAAAAAAAAAAAAAAAAAAAAAAABQAAAAAAAAAwMD/AAAAAABkAAAAMgAAAAAAAABkAAAAAAAAAH9/fwAKAAAAHwAAAFQAAAC74OMF////AQAAAAAAAAAAAAAAAAAAAAAAAAAAAAAAAAAAAAAAAAAAAAAAAn9/fwCAgIADzMzMAMDA/wB/f38AAAAAAAAAAAAAAAAAAAAAAAAAAAAhAAAAGAAAABQAAAB6CwAADhUAABkSAADeFwAAECAAACYAAAAIAAAA//////////8="/>
+                <pr:smNativeData xmlns:pr="smNativeData" val="SMDATA_13_gcGAXRMAAAAlAAAAEgAAAE8BAAAAkAAAAEgAAACQAAAASAAAAAAAAAAAAAAAAAAAAAEAAABQAAAAAAAAAAAA4D8AAAAAAADgPwAAAAAAAOA/AAAAAAAA4D8AAAAAAADgPwAAAAAAAOA/AAAAAAAA4D8AAAAAAADgPwAAAAAAAOA/AAAAAAAA4D8CAAAAjAAAAAAAAAAAAAAAu+DjDP///wgAAAAAAAAAAAAAAAAAAAAAAAAAAAAAAAAAAAAAZAAAAAEAAABAAAAAAAAAAAAAAAAAAAAAAAAAAAAAAAAAAAAAAAAAAAAAAAAAAAAAAAAAAAAAAAAAAAAAAAAAAAAAAAAAAAAAAAAAAAAAAAAAAAAAAAAAAAAAAAAAAAAAFAAAADwAAAAAAAAAAAAAAAAAAAkUAAAAAQAAABQAAAAUAAAAFAAAAAEAAAAAAAAAZAAAAGQAAAAAAAAAZAAAAGQAAAAVAAAAYAAAAAAAAAAAAAAADwAAACADAAAAAAAAAAAAAAEAAACgMgAAVgcAAKr4//8BAAAAf39/AAEAAABkAAAAAAAAABQAAABAHwAAAAAAACYAAAAAAAAAwOD//wAAAAAmAAAAZAAAABYAAABMAAAAAAAAAAAAAAAEAAAAAAAAAAEAAACAgIAKAAAAACgAAAAoAAAAZAAAAGQAAAAAAAAAzMzMAAAAAABQAAAAUAAAAGQAAABkAAAAAAAAABcAAAAUAAAAAAAAANwIAAD/fwAA/38AAAAAAAAJAAAABAAAAAIA/f8MAAAAEAAAAAAAAAAAAAAAAAAAAAAAAAAeAAAAaAAAAAAAAAAAAAAAAAAAAAAAAAAAAAAAECcAABAnAAAAAAAAAAAAAAAAAAAAAAAAAAAAAAAAAAAAAAAAAAAAABQAAAAAAAAAwMD/AAAAAABkAAAAMgAAAAAAAABkAAAAAAAAAH9/fwAKAAAAHwAAAFQAAAC74OMF////AQAAAAAAAAAAAAAAAAAAAAAAAAAAAAAAAAAAAAAAAAAAAAAAAn9/fwCAgIADzMzMAMDA/wB/f38AAAAAAAAAAAAAAAAAAAAAAAAAAAAhAAAAGAAAABQAAAB6CwAADhUAABkSAADeFwAAECAAACYAAAAIAAAA//////////8="/>
               </a:ext>
             </a:extLst>
           </p:cNvSpPr>
@@ -9155,7 +9155,7 @@
           <p:cNvSpPr txBox="1">
             <a:extLst>
               <a:ext uri="smNativeData">
-                <pr:smNativeData xmlns:pr="smNativeData" val="SMDATA_13_IrKAXRMAAAAlAAAAEgAAAE8BAAAAkAAAAEgAAACQAAAASAAAAAAAAAAAAAAAAAAAAAEAAABQAAAAAAAAAAAA4D8AAAAAAADgPwAAAAAAAOA/AAAAAAAA4D8AAAAAAADgPwAAAAAAAOA/AAAAAAAA4D8AAAAAAADgPwAAAAAAAOA/AAAAAAAA4D8CAAAAjAAAAAAAAAAAAAAAu+DjDP///wgAAAAAAAAAAAAAAAAAAAAAAAAAAAAAAAAAAAAAZAAAAAEAAABAAAAAAAAAAAAAAAAAAAAAAAAAAAAAAAAAAAAAAAAAAAAAAAAAAAAAAAAAAAAAAAAAAAAAAAAAAAAAAAAAAAAAAAAAAAAAAAAAAAAAAAAAAAAAAAAAAAAAFAAAADwAAAAAAAAAAAAAAAAAAAkUAAAAAQAAABQAAAAUAAAAFAAAAAEAAAAAAAAAZAAAAGQAAAAAAAAAZAAAAGQAAAAVAAAAYAAAAAAAAAAAAAAADwAAACADAAAAAAAAAAAAAAEAAACgMgAAVgcAAKr4//8BAAAAf39/AAEAAABkAAAAAAAAABQAAABAHwAAAAAAACYAAAAAAAAAwOD//wAAAAAmAAAAZAAAABYAAABMAAAAAAAAAAAAAAAEAAAAAAAAAAEAAACAgIAKAAAAACgAAAAoAAAAZAAAAGQAAAAAAAAAzMzMAAAAAABQAAAAUAAAAGQAAABkAAAAAAAAABcAAAAUAAAAAAAAANwIAAD/fwAA/38AAAAAAAAJAAAABAAAAAAAAAAMAAAAEAAAAAAAAAAAAAAAAAAAAAAAAAAeAAAAaAAAAAAAAAAAAAAAAAAAAAAAAAAAAAAAECcAABAnAAAAAAAAAAAAAAAAAAAAAAAAAAAAAAAAAAAAAAAAAAAAABQAAAAAAAAAwMD/AAAAAABkAAAAMgAAAAAAAABkAAAAAAAAAH9/fwAKAAAAHwAAAFQAAAC74OMF////AQAAAAAAAAAAAAAAAAAAAAAAAAAAAAAAAAAAAAAAAAAAAAAAAn9/fwCAgIADzMzMAMDA/wB/f38AAAAAAAAAAAAAAAAAAAAAAAAAAAAhAAAAGAAAABQAAAB6CwAA+iQAABkSAACqJgAAECAAACYAAAAIAAAA//////////8="/>
+                <pr:smNativeData xmlns:pr="smNativeData" val="SMDATA_13_gcGAXRMAAAAlAAAAEgAAAE8BAAAAkAAAAEgAAACQAAAASAAAAAAAAAAAAAAAAAAAAAEAAABQAAAAAAAAAAAA4D8AAAAAAADgPwAAAAAAAOA/AAAAAAAA4D8AAAAAAADgPwAAAAAAAOA/AAAAAAAA4D8AAAAAAADgPwAAAAAAAOA/AAAAAAAA4D8CAAAAjAAAAAAAAAAAAAAAu+DjDP///wgAAAAAAAAAAAAAAAAAAAAAAAAAAAAAAAAAAAAAZAAAAAEAAABAAAAAAAAAAAAAAAAAAAAAAAAAAAAAAAAAAAAAAAAAAAAAAAAAAAAAAAAAAAAAAAAAAAAAAAAAAAAAAAAAAAAAAAAAAAAAAAAAAAAAAAAAAAAAAAAAAAAAFAAAADwAAAAAAAAAAAAAAAAAAAkUAAAAAQAAABQAAAAUAAAAFAAAAAEAAAAAAAAAZAAAAGQAAAAAAAAAZAAAAGQAAAAVAAAAYAAAAAAAAAAAAAAADwAAACADAAAAAAAAAAAAAAEAAACgMgAAVgcAAKr4//8BAAAAf39/AAEAAABkAAAAAAAAABQAAABAHwAAAAAAACYAAAAAAAAAwOD//wAAAAAmAAAAZAAAABYAAABMAAAAAAAAAAAAAAAEAAAAAAAAAAEAAACAgIAKAAAAACgAAAAoAAAAZAAAAGQAAAAAAAAAzMzMAAAAAABQAAAAUAAAAGQAAABkAAAAAAAAABcAAAAUAAAAAAAAANwIAAD/fwAA/38AAAAAAAAJAAAABAAAAAAAAAAMAAAAEAAAAAAAAAAAAAAAAAAAAAAAAAAeAAAAaAAAAAAAAAAAAAAAAAAAAAAAAAAAAAAAECcAABAnAAAAAAAAAAAAAAAAAAAAAAAAAAAAAAAAAAAAAAAAAAAAABQAAAAAAAAAwMD/AAAAAABkAAAAMgAAAAAAAABkAAAAAAAAAH9/fwAKAAAAHwAAAFQAAAC74OMF////AQAAAAAAAAAAAAAAAAAAAAAAAAAAAAAAAAAAAAAAAAAAAAAAAn9/fwCAgIADzMzMAMDA/wB/f38AAAAAAAAAAAAAAAAAAAAAAAAAAAAhAAAAGAAAABQAAAB6CwAA+iQAABkSAACqJgAAECAAACYAAAAIAAAA//////////8="/>
               </a:ext>
             </a:extLst>
           </p:cNvSpPr>
@@ -9201,7 +9201,7 @@
           <p:cNvSpPr txBox="1">
             <a:extLst>
               <a:ext uri="smNativeData">
-                <pr:smNativeData xmlns:pr="smNativeData" val="SMDATA_13_IrKAXRMAAAAlAAAAEgAAAE8BAAAAkAAAAEgAAACQAAAASAAAAAAAAAAAAAAAAAAAAAEAAABQAAAAAAAAAAAA4D8AAAAAAADgPwAAAAAAAOA/AAAAAAAA4D8AAAAAAADgPwAAAAAAAOA/AAAAAAAA4D8AAAAAAADgPwAAAAAAAOA/AAAAAAAA4D8CAAAAjAAAAAAAAAAAAAAAu+DjDP///wgAAAAAAAAAAAAAAAAAAAAAAAAAAAAAAAAAAAAAZAAAAAEAAABAAAAAAAAAAAAAAAAAAAAAAAAAAAAAAAAAAAAAAAAAAAAAAAAAAAAAAAAAAAAAAAAAAAAAAAAAAAAAAAAAAAAAAAAAAAAAAAAAAAAAAAAAAAAAAAAAAAAAFAAAADwAAAAAAAAAAAAAAAAAAAkUAAAAAQAAABQAAAAUAAAAFAAAAAEAAAAAAAAAZAAAAGQAAAAAAAAAZAAAAGQAAAAVAAAAYAAAAAAAAAAAAAAADwAAACADAAAAAAAAAAAAAAEAAACgMgAAVgcAAKr4//8BAAAAf39/AAEAAABkAAAAAAAAABQAAABAHwAAAAAAACYAAAAAAAAAwOD//wAAAAAmAAAAZAAAABYAAABMAAAAAAAAAAAAAAAEAAAAAAAAAAEAAACAgIAKAAAAACgAAAAoAAAAZAAAAGQAAAAAAAAAzMzMAAAAAABQAAAAUAAAAGQAAABkAAAAAAAAABcAAAAUAAAAAAAAANwIAAD/fwAA/38AAAAAAAAJAAAABAAAAGxyIHYMAAAAEAAAAAAAAAAAAAAAAAAAAAAAAAAeAAAAaAAAAAAAAAAAAAAAAAAAAAAAAAAAAAAAECcAABAnAAAAAAAAAAAAAAAAAAAAAAAAAAAAAAAAAAAAAAAAAAAAABQAAAAAAAAAwMD/AAAAAABkAAAAMgAAAAAAAABkAAAAAAAAAH9/fwAKAAAAHwAAAFQAAAC74OMF////AQAAAAAAAAAAAAAAAAAAAAAAAAAAAAAAAAAAAAAAAAAAAAAAAn9/fwCAgIADzMzMAMDA/wB/f38AAAAAAAAAAAAAAAAAAAAAAAAAAAAhAAAAGAAAABQAAAC4GAAAjhUAAFcfAAA+FwAAECAAACYAAAAIAAAA//////////8="/>
+                <pr:smNativeData xmlns:pr="smNativeData" val="SMDATA_13_gcGAXRMAAAAlAAAAEgAAAE8BAAAAkAAAAEgAAACQAAAASAAAAAAAAAAAAAAAAAAAAAEAAABQAAAAAAAAAAAA4D8AAAAAAADgPwAAAAAAAOA/AAAAAAAA4D8AAAAAAADgPwAAAAAAAOA/AAAAAAAA4D8AAAAAAADgPwAAAAAAAOA/AAAAAAAA4D8CAAAAjAAAAAAAAAAAAAAAu+DjDP///wgAAAAAAAAAAAAAAAAAAAAAAAAAAAAAAAAAAAAAZAAAAAEAAABAAAAAAAAAAAAAAAAAAAAAAAAAAAAAAAAAAAAAAAAAAAAAAAAAAAAAAAAAAAAAAAAAAAAAAAAAAAAAAAAAAAAAAAAAAAAAAAAAAAAAAAAAAAAAAAAAAAAAFAAAADwAAAAAAAAAAAAAAAAAAAkUAAAAAQAAABQAAAAUAAAAFAAAAAEAAAAAAAAAZAAAAGQAAAAAAAAAZAAAAGQAAAAVAAAAYAAAAAAAAAAAAAAADwAAACADAAAAAAAAAAAAAAEAAACgMgAAVgcAAKr4//8BAAAAf39/AAEAAABkAAAAAAAAABQAAABAHwAAAAAAACYAAAAAAAAAwOD//wAAAAAmAAAAZAAAABYAAABMAAAAAAAAAAAAAAAEAAAAAAAAAAEAAACAgIAKAAAAACgAAAAoAAAAZAAAAGQAAAAAAAAAzMzMAAAAAABQAAAAUAAAAGQAAABkAAAAAAAAABcAAAAUAAAAAAAAANwIAAD/fwAA/38AAAAAAAAJAAAABAAAAGxyIHYMAAAAEAAAAAAAAAAAAAAAAAAAAAAAAAAeAAAAaAAAAAAAAAAAAAAAAAAAAAAAAAAAAAAAECcAABAnAAAAAAAAAAAAAAAAAAAAAAAAAAAAAAAAAAAAAAAAAAAAABQAAAAAAAAAwMD/AAAAAABkAAAAMgAAAAAAAABkAAAAAAAAAH9/fwAKAAAAHwAAAFQAAAC74OMF////AQAAAAAAAAAAAAAAAAAAAAAAAAAAAAAAAAAAAAAAAAAAAAAAAn9/fwCAgIADzMzMAMDA/wB/f38AAAAAAAAAAAAAAAAAAAAAAAAAAAAhAAAAGAAAABQAAAC4GAAAjhUAAFcfAAA+FwAAECAAACYAAAAIAAAA//////////8="/>
               </a:ext>
             </a:extLst>
           </p:cNvSpPr>
@@ -9247,7 +9247,7 @@
           <p:cNvSpPr txBox="1">
             <a:extLst>
               <a:ext uri="smNativeData">
-                <pr:smNativeData xmlns:pr="smNativeData" val="SMDATA_13_IrKAXRMAAAAlAAAAEgAAAE8BAAAAkAAAAEgAAACQAAAASAAAAAAAAAAAAAAAAAAAAAEAAABQAAAAAAAAAAAA4D8AAAAAAADgPwAAAAAAAOA/AAAAAAAA4D8AAAAAAADgPwAAAAAAAOA/AAAAAAAA4D8AAAAAAADgPwAAAAAAAOA/AAAAAAAA4D8CAAAAjAAAAAAAAAAAAAAAu+DjDP///wgAAAAAAAAAAAAAAAAAAAAAAAAAAAAAAAAAAAAAZAAAAAEAAABAAAAAAAAAAAAAAAAAAAAAAAAAAAAAAAAAAAAAAAAAAAAAAAAAAAAAAAAAAAAAAAAAAAAAAAAAAAAAAAAAAAAAAAAAAAAAAAAAAAAAAAAAAAAAAAAAAAAAFAAAADwAAAAAAAAAAAAAAAAAAAkUAAAAAQAAABQAAAAUAAAAFAAAAAEAAAAAAAAAZAAAAGQAAAAAAAAAZAAAAGQAAAAVAAAAYAAAAAAAAAAAAAAADwAAACADAAAAAAAAAAAAAAEAAACgMgAAVgcAAKr4//8BAAAAf39/AAEAAABkAAAAAAAAABQAAABAHwAAAAAAACYAAAAAAAAAwOD//wAAAAAmAAAAZAAAABYAAABMAAAAAAAAAAAAAAAEAAAAAAAAAAEAAACAgIAKAAAAACgAAAAoAAAAZAAAAGQAAAAAAAAAzMzMAAAAAABQAAAAUAAAAGQAAABkAAAAAAAAABcAAAAUAAAAAAAAANwIAAD/fwAA/38AAAAAAAAJAAAABAAAAGxyIHYMAAAAEAAAAAAAAAAAAAAAAAAAAAAAAAAeAAAAaAAAAAAAAAAAAAAAAAAAAAAAAAAAAAAAECcAABAnAAAAAAAAAAAAAAAAAAAAAAAAAAAAAAAAAAAAAAAAAAAAABQAAAAAAAAAwMD/AAAAAABkAAAAMgAAAAAAAABkAAAAAAAAAH9/fwAKAAAAHwAAAFQAAAC74OMF////AQAAAAAAAAAAAAAAAAAAAAAAAAAAAAAAAAAAAAAAAAAAAAAAAn9/fwCAgIADzMzMAMDA/wB/f38AAAAAAAAAAAAAAAAAAAAAAAAAAAAhAAAAGAAAABQAAAC4GAAAeR0AAFcfAAApHwAAECAAACYAAAAIAAAA//////////8="/>
+                <pr:smNativeData xmlns:pr="smNativeData" val="SMDATA_13_gcGAXRMAAAAlAAAAEgAAAE8BAAAAkAAAAEgAAACQAAAASAAAAAAAAAAAAAAAAAAAAAEAAABQAAAAAAAAAAAA4D8AAAAAAADgPwAAAAAAAOA/AAAAAAAA4D8AAAAAAADgPwAAAAAAAOA/AAAAAAAA4D8AAAAAAADgPwAAAAAAAOA/AAAAAAAA4D8CAAAAjAAAAAAAAAAAAAAAu+DjDP///wgAAAAAAAAAAAAAAAAAAAAAAAAAAAAAAAAAAAAAZAAAAAEAAABAAAAAAAAAAAAAAAAAAAAAAAAAAAAAAAAAAAAAAAAAAAAAAAAAAAAAAAAAAAAAAAAAAAAAAAAAAAAAAAAAAAAAAAAAAAAAAAAAAAAAAAAAAAAAAAAAAAAAFAAAADwAAAAAAAAAAAAAAAAAAAkUAAAAAQAAABQAAAAUAAAAFAAAAAEAAAAAAAAAZAAAAGQAAAAAAAAAZAAAAGQAAAAVAAAAYAAAAAAAAAAAAAAADwAAACADAAAAAAAAAAAAAAEAAACgMgAAVgcAAKr4//8BAAAAf39/AAEAAABkAAAAAAAAABQAAABAHwAAAAAAACYAAAAAAAAAwOD//wAAAAAmAAAAZAAAABYAAABMAAAAAAAAAAAAAAAEAAAAAAAAAAEAAACAgIAKAAAAACgAAAAoAAAAZAAAAGQAAAAAAAAAzMzMAAAAAABQAAAAUAAAAGQAAABkAAAAAAAAABcAAAAUAAAAAAAAANwIAAD/fwAA/38AAAAAAAAJAAAABAAAAGxyIHYMAAAAEAAAAAAAAAAAAAAAAAAAAAAAAAAeAAAAaAAAAAAAAAAAAAAAAAAAAAAAAAAAAAAAECcAABAnAAAAAAAAAAAAAAAAAAAAAAAAAAAAAAAAAAAAAAAAAAAAABQAAAAAAAAAwMD/AAAAAABkAAAAMgAAAAAAAABkAAAAAAAAAH9/fwAKAAAAHwAAAFQAAAC74OMF////AQAAAAAAAAAAAAAAAAAAAAAAAAAAAAAAAAAAAAAAAAAAAAAAAn9/fwCAgIADzMzMAMDA/wB/f38AAAAAAAAAAAAAAAAAAAAAAAAAAAAhAAAAGAAAABQAAAC4GAAAeR0AAFcfAAApHwAAECAAACYAAAAIAAAA//////////8="/>
               </a:ext>
             </a:extLst>
           </p:cNvSpPr>
@@ -9293,7 +9293,7 @@
           <p:cNvSpPr txBox="1">
             <a:extLst>
               <a:ext uri="smNativeData">
-                <pr:smNativeData xmlns:pr="smNativeData" val="SMDATA_13_IrKAXRMAAAAlAAAAEgAAAE8BAAAAkAAAAEgAAACQAAAASAAAAAAAAAAAAAAAAAAAAAEAAABQAAAAAAAAAAAA4D8AAAAAAADgPwAAAAAAAOA/AAAAAAAA4D8AAAAAAADgPwAAAAAAAOA/AAAAAAAA4D8AAAAAAADgPwAAAAAAAOA/AAAAAAAA4D8CAAAAjAAAAAAAAAAAAAAAu+DjDP///wgAAAAAAAAAAAAAAAAAAAAAAAAAAAAAAAAAAAAAZAAAAAEAAABAAAAAAAAAAAAAAAAAAAAAAAAAAAAAAAAAAAAAAAAAAAAAAAAAAAAAAAAAAAAAAAAAAAAAAAAAAAAAAAAAAAAAAAAAAAAAAAAAAAAAAAAAAAAAAAAAAAAAFAAAADwAAAAAAAAAAAAAAAAAAAkUAAAAAQAAABQAAAAUAAAAFAAAAAEAAAAAAAAAZAAAAGQAAAAAAAAAZAAAAGQAAAAVAAAAYAAAAAAAAAAAAAAADwAAACADAAAAAAAAAAAAAAEAAACgMgAAVgcAAKr4//8BAAAAf39/AAEAAABkAAAAAAAAABQAAABAHwAAAAAAACYAAAAAAAAAwOD//wAAAAAmAAAAZAAAABYAAABMAAAAAAAAAAAAAAAEAAAAAAAAAAEAAACAgIAKAAAAACgAAAAoAAAAZAAAAGQAAAAAAAAAzMzMAAAAAABQAAAAUAAAAGQAAABkAAAAAAAAABcAAAAUAAAAAAAAANwIAAD/fwAA/38AAAAAAAAJAAAABAAAAEEASQAMAAAAEAAAAAAAAAAAAAAAAAAAAAAAAAAeAAAAaAAAAAAAAAAAAAAAAAAAAAAAAAAAAAAAECcAABAnAAAAAAAAAAAAAAAAAAAAAAAAAAAAAAAAAAAAAAAAAAAAABQAAAAAAAAAwMD/AAAAAABkAAAAMgAAAAAAAABkAAAAAAAAAH9/fwAKAAAAHwAAAFQAAAC74OMF////AQAAAAAAAAAAAAAAAAAAAAAAAAAAAAAAAAAAAAAAAAAAAAAAAn9/fwCAgIADzMzMAMDA/wB/f38AAAAAAAAAAAAAAAAAAAAAAAAAAAAhAAAAGAAAABQAAAD7EgAAyg8AAJoZAADaEQAAECAAACYAAAAIAAAA//////////8="/>
+                <pr:smNativeData xmlns:pr="smNativeData" val="SMDATA_13_gcGAXRMAAAAlAAAAEgAAAE8BAAAAkAAAAEgAAACQAAAASAAAAAAAAAAAAAAAAAAAAAEAAABQAAAAAAAAAAAA4D8AAAAAAADgPwAAAAAAAOA/AAAAAAAA4D8AAAAAAADgPwAAAAAAAOA/AAAAAAAA4D8AAAAAAADgPwAAAAAAAOA/AAAAAAAA4D8CAAAAjAAAAAAAAAAAAAAAu+DjDP///wgAAAAAAAAAAAAAAAAAAAAAAAAAAAAAAAAAAAAAZAAAAAEAAABAAAAAAAAAAAAAAAAAAAAAAAAAAAAAAAAAAAAAAAAAAAAAAAAAAAAAAAAAAAAAAAAAAAAAAAAAAAAAAAAAAAAAAAAAAAAAAAAAAAAAAAAAAAAAAAAAAAAAFAAAADwAAAAAAAAAAAAAAAAAAAkUAAAAAQAAABQAAAAUAAAAFAAAAAEAAAAAAAAAZAAAAGQAAAAAAAAAZAAAAGQAAAAVAAAAYAAAAAAAAAAAAAAADwAAACADAAAAAAAAAAAAAAEAAACgMgAAVgcAAKr4//8BAAAAf39/AAEAAABkAAAAAAAAABQAAABAHwAAAAAAACYAAAAAAAAAwOD//wAAAAAmAAAAZAAAABYAAABMAAAAAAAAAAAAAAAEAAAAAAAAAAEAAACAgIAKAAAAACgAAAAoAAAAZAAAAGQAAAAAAAAAzMzMAAAAAABQAAAAUAAAAGQAAABkAAAAAAAAABcAAAAUAAAAAAAAANwIAAD/fwAA/38AAAAAAAAJAAAABAAAAEEASQAMAAAAEAAAAAAAAAAAAAAAAAAAAAAAAAAeAAAAaAAAAAAAAAAAAAAAAAAAAAAAAAAAAAAAECcAABAnAAAAAAAAAAAAAAAAAAAAAAAAAAAAAAAAAAAAAAAAAAAAABQAAAAAAAAAwMD/AAAAAABkAAAAMgAAAAAAAABkAAAAAAAAAH9/fwAKAAAAHwAAAFQAAAC74OMF////AQAAAAAAAAAAAAAAAAAAAAAAAAAAAAAAAAAAAAAAAAAAAAAAAn9/fwCAgIADzMzMAMDA/wB/f38AAAAAAAAAAAAAAAAAAAAAAAAAAAAhAAAAGAAAABQAAAD7EgAAyg8AAJoZAADaEQAAECAAACYAAAAIAAAA//////////8="/>
               </a:ext>
             </a:extLst>
           </p:cNvSpPr>
@@ -9339,7 +9339,7 @@
           <p:cNvSpPr txBox="1">
             <a:extLst>
               <a:ext uri="smNativeData">
-                <pr:smNativeData xmlns:pr="smNativeData" val="SMDATA_13_IrKAXRMAAAAlAAAAEgAAAE8BAAAAkAAAAEgAAACQAAAASAAAAAAAAAAAAAAAAAAAAAEAAABQAAAAAAAAAAAA4D8AAAAAAADgPwAAAAAAAOA/AAAAAAAA4D8AAAAAAADgPwAAAAAAAOA/AAAAAAAA4D8AAAAAAADgPwAAAAAAAOA/AAAAAAAA4D8CAAAAjAAAAAAAAAAAAAAAu+DjDP///wgAAAAAAAAAAAAAAAAAAAAAAAAAAAAAAAAAAAAAZAAAAAEAAABAAAAAAAAAAAAAAAAAAAAAAAAAAAAAAAAAAAAAAAAAAAAAAAAAAAAAAAAAAAAAAAAAAAAAAAAAAAAAAAAAAAAAAAAAAAAAAAAAAAAAAAAAAAAAAAAAAAAAFAAAADwAAAAAAAAAAAAAAAAAAAkUAAAAAQAAABQAAAAUAAAAFAAAAAEAAAAAAAAAZAAAAGQAAAAAAAAAZAAAAGQAAAAVAAAAYAAAAAAAAAAAAAAADwAAACADAAAAAAAAAAAAAAEAAACgMgAAVgcAAKr4//8BAAAAf39/AAEAAABkAAAAAAAAABQAAABAHwAAAAAAACYAAAAAAAAAwOD//wAAAAAmAAAAZAAAABYAAABMAAAAAAAAAAAAAAAEAAAAAAAAAAEAAACAgIAKAAAAACgAAAAoAAAAZAAAAGQAAAAAAAAAzMzMAAAAAABQAAAAUAAAAGQAAABkAAAAAAAAABcAAAAUAAAAAAAAANwIAAD/fwAA/38AAAAAAAAJAAAABAAAAAIA/f8MAAAAEAAAAAAAAAAAAAAAAAAAAAAAAAAeAAAAaAAAAAAAAAAAAAAAAAAAAAAAAAAAAAAAECcAABAnAAAAAAAAAAAAAAAAAAAAAAAAAAAAAAAAAAAAAAAAAAAAABQAAAAAAAAAwMD/AAAAAABkAAAAMgAAAAAAAABkAAAAAAAAAH9/fwAKAAAAHwAAAFQAAAC74OMF////AQAAAAAAAAAAAAAAAAAAAAAAAAAAAAAAAAAAAAAAAAAAAAAAAn9/fwCAgIADzMzMAMDA/wB/f38AAAAAAAAAAAAAAAAAAAAAAAAAAAAhAAAAGAAAABQAAADqGAAA0RAAAIkfAADhEgAAECAAACYAAAAIAAAA//////////8="/>
+                <pr:smNativeData xmlns:pr="smNativeData" val="SMDATA_13_gcGAXRMAAAAlAAAAEgAAAE8BAAAAkAAAAEgAAACQAAAASAAAAAAAAAAAAAAAAAAAAAEAAABQAAAAAAAAAAAA4D8AAAAAAADgPwAAAAAAAOA/AAAAAAAA4D8AAAAAAADgPwAAAAAAAOA/AAAAAAAA4D8AAAAAAADgPwAAAAAAAOA/AAAAAAAA4D8CAAAAjAAAAAAAAAAAAAAAu+DjDP///wgAAAAAAAAAAAAAAAAAAAAAAAAAAAAAAAAAAAAAZAAAAAEAAABAAAAAAAAAAAAAAAAAAAAAAAAAAAAAAAAAAAAAAAAAAAAAAAAAAAAAAAAAAAAAAAAAAAAAAAAAAAAAAAAAAAAAAAAAAAAAAAAAAAAAAAAAAAAAAAAAAAAAFAAAADwAAAAAAAAAAAAAAAAAAAkUAAAAAQAAABQAAAAUAAAAFAAAAAEAAAAAAAAAZAAAAGQAAAAAAAAAZAAAAGQAAAAVAAAAYAAAAAAAAAAAAAAADwAAACADAAAAAAAAAAAAAAEAAACgMgAAVgcAAKr4//8BAAAAf39/AAEAAABkAAAAAAAAABQAAABAHwAAAAAAACYAAAAAAAAAwOD//wAAAAAmAAAAZAAAABYAAABMAAAAAAAAAAAAAAAEAAAAAAAAAAEAAACAgIAKAAAAACgAAAAoAAAAZAAAAGQAAAAAAAAAzMzMAAAAAABQAAAAUAAAAGQAAABkAAAAAAAAABcAAAAUAAAAAAAAANwIAAD/fwAA/38AAAAAAAAJAAAABAAAAAIA/f8MAAAAEAAAAAAAAAAAAAAAAAAAAAAAAAAeAAAAaAAAAAAAAAAAAAAAAAAAAAAAAAAAAAAAECcAABAnAAAAAAAAAAAAAAAAAAAAAAAAAAAAAAAAAAAAAAAAAAAAABQAAAAAAAAAwMD/AAAAAABkAAAAMgAAAAAAAABkAAAAAAAAAH9/fwAKAAAAHwAAAFQAAAC74OMF////AQAAAAAAAAAAAAAAAAAAAAAAAAAAAAAAAAAAAAAAAAAAAAAAAn9/fwCAgIADzMzMAMDA/wB/f38AAAAAAAAAAAAAAAAAAAAAAAAAAAAhAAAAGAAAABQAAADqGAAA0RAAAIkfAADhEgAAECAAACYAAAAIAAAA//////////8="/>
               </a:ext>
             </a:extLst>
           </p:cNvSpPr>
@@ -9385,7 +9385,7 @@
           <p:cNvSpPr>
             <a:extLst>
               <a:ext uri="smNativeData">
-                <pr:smNativeData xmlns:pr="smNativeData" val="SMDATA_13_IrKAXRMAAAAlAAAAZAAAAA8BAAAAkAAAAEgAAACQAAAASAAAAAAAAAAAAAAAAAAAAAEAAABQAAAAAAAAAAAA4D8AAAAAAADgPwAAAAAAAOA/AAAAAAAA4D8AAAAAAADgPwAAAAAAAOA/AAAAAAAA4D8AAAAAAADgPwAAAAAAAOA/AAAAAAAA4D8CAAAAjAAAAAEAAAAAAAAAHh4eAP///wgAAAAAAAAAAAAAAAAAAAAAAAAAAAAAAAAAAAAAZAAAAAEAAABAAAAAAAAAAAAAAAAAAAAAAAAAAAAAAAAAAAAAAAAAAAAAAAAAAAAAAAAAAAAAAAAAAAAAAAAAAAAAAAAAAAAAAAAAAAAAAAAAAAAAAAAAAAAAAAAAAAAAFAAAADwAAAAAAAAAAAAAAAAAAAkAAAAAAQAAAAAAAAAAAAAAAAAAAAAAAAAAAAAAZAAAAGQAAAAAAAAAZAAAAGQAAAAVAAAAYAAAAAAAAAAAAAAADwAAACADAAAAAAAAAAAAAAEAAACgMgAAAAAAAAAAAAABAAAAf39/AAEAAABkAAAAAAAAABQAAABAHwAAAAAAACYAAAAAAAAAwOD//wAAAAAmAAAAZAAAABYAAABMAAAAAAAAAAAAAAAEAAAAAAAAAAEAAACAgIAKAAAAACgAAAAoAAAAZAAAAGQAAAAAAAAAzMzMAAAAAABQAAAAUAAAAGQAAABkAAAAAAAAABcAAAAUAAAAAAAAAAAAAAD/fwAA/38AAAAAAAAJAAAABAAAAON4AAAMAAAAEAAAAAAAAAAAAAAAAAAAAAAAAAAeAAAAaAAAAAAAAAAAAAAAAAAAAAAAAAAAAAAAECcAABAnAAAAAAAAAAAAAAAAAAAAAAAAAAAAAAAAAAAAAAAAAAAAABQAAAAAAAAAwMD/AAAAAABkAAAAMgAAAAAAAABkAAAAAAAAAH9/fwAKAAAAHwAAAFQAAAAeHh4A////AQAAAAAAAAAAAAAAAAAAAAAAAAAAAAAAAAAAAAAAAAAAAAAAAn9/fwCAgIADzMzMAMDA/wB/f38AAAAAAAAAAAAAAAAAAAAAAAAAAAAhAAAAGAAAABQAAAAAAAAAZQcAAEA4AAC4CAAAEAAAACYAAAAIAAAA//////////8="/>
+                <pr:smNativeData xmlns:pr="smNativeData" val="SMDATA_13_gcGAXRMAAAAlAAAAZAAAAA8BAAAAkAAAAEgAAACQAAAASAAAAAAAAAAAAAAAAAAAAAEAAABQAAAAAAAAAAAA4D8AAAAAAADgPwAAAAAAAOA/AAAAAAAA4D8AAAAAAADgPwAAAAAAAOA/AAAAAAAA4D8AAAAAAADgPwAAAAAAAOA/AAAAAAAA4D8CAAAAjAAAAAEAAAAAAAAAHh4eAP///wgAAAAAAAAAAAAAAAAAAAAAAAAAAAAAAAAAAAAAZAAAAAEAAABAAAAAAAAAAAAAAAAAAAAAAAAAAAAAAAAAAAAAAAAAAAAAAAAAAAAAAAAAAAAAAAAAAAAAAAAAAAAAAAAAAAAAAAAAAAAAAAAAAAAAAAAAAAAAAAAAAAAAFAAAADwAAAAAAAAAAAAAAAAAAAkAAAAAAQAAAAAAAAAAAAAAAAAAAAAAAAAAAAAAZAAAAGQAAAAAAAAAZAAAAGQAAAAVAAAAYAAAAAAAAAAAAAAADwAAACADAAAAAAAAAAAAAAEAAACgMgAAAAAAAAAAAAABAAAAf39/AAEAAABkAAAAAAAAABQAAABAHwAAAAAAACYAAAAAAAAAwOD//wAAAAAmAAAAZAAAABYAAABMAAAAAAAAAAAAAAAEAAAAAAAAAAEAAACAgIAKAAAAACgAAAAoAAAAZAAAAGQAAAAAAAAAzMzMAAAAAABQAAAAUAAAAGQAAABkAAAAAAAAABcAAAAUAAAAAAAAAAAAAAD/fwAA/38AAAAAAAAJAAAABAAAAON4AAAMAAAAEAAAAAAAAAAAAAAAAAAAAAAAAAAeAAAAaAAAAAAAAAAAAAAAAAAAAAAAAAAAAAAAECcAABAnAAAAAAAAAAAAAAAAAAAAAAAAAAAAAAAAAAAAAAAAAAAAABQAAAAAAAAAwMD/AAAAAABkAAAAMgAAAAAAAABkAAAAAAAAAH9/fwAKAAAAHwAAAFQAAAAeHh4A////AQAAAAAAAAAAAAAAAAAAAAAAAAAAAAAAAAAAAAAAAAAAAAAAAn9/fwCAgIADzMzMAMDA/wB/f38AAAAAAAAAAAAAAAAAAAAAAAAAAAAhAAAAGAAAABQAAAAAAAAAZQcAAEA4AAC4CAAAEAAAACYAAAAIAAAA//////////8="/>
               </a:ext>
             </a:extLst>
           </p:cNvSpPr>
@@ -9454,7 +9454,7 @@
           <p:cNvSpPr>
             <a:extLst>
               <a:ext uri="smNativeData">
-                <pr:smNativeData xmlns:pr="smNativeData" val="SMDATA_13_IrKAXRMAAAAlAAAACgAAAA8BAAAAkAAAAEgAAACQAAAASAAAAAAAAAAAAAAAAAAAAAEAAABQAAAAAAAAAAAA4D8AAAAAAADgPwAAAAAAAOA/AAAAAAAA4D8AAAAAAADgPwAAAAAAAOA/AAAAAAAA4D8AAAAAAADgPwAAAAAAAOA/AAAAAAAA4D8CAAAAjAAAAAAAAAAAAAAAu+DjDP///wgAAAAAAAAAAAAAAAAAAAAAAAAAAAAAAAAAAAAAZAAAAAEAAABAAAAAAAAAAAAAAAAAAAAAAAAAAAAAAAAAAAAAAAAAAAAAAAAAAAAAAAAAAAAAAAAAAAAAAAAAAAAAAAAAAAAAAAAAAAAAAAAAAAAAAAAAAAAAAAAAAAAAFAAAADwAAAABAAAAAAAAAFVVVQBQAAAAAQAAAAQAAAAAAAAAAAAAAAAAAAAAAAAAZAAAAGQAAAACAAAAZAAAAGQAAAAVAAAAYAAAAAAAAAAAAAAADwAAACADAAAAAAAAAAAAAAEAAACgMgAAAAAAAAAAAAABAAAAf39/AAEAAABkAAAAAAAAABQAAABAHwAAAAAAACYAAAAAAAAAwOD//wAAAAAmAAAAZAAAABYAAABMAAAAAAAAAAAAAAAEAAAAAAAAAAEAAACAgIAKAAAAACgAAAAoAAAAZAAAAGQAAAAAAAAAzMzMAAAAAABQAAAAUAAAAGQAAABkAAAAAAAAABcAAAAUAAAAAAAAAAAAAAD/fwAA/38AAAAAAAAJAAAABAAAAAAAAAAMAAAAEAAAAAAAAAAAAAAAAAAAAAAAAAAeAAAAaAAAAAAAAAAAAAAAAAAAAAAAAAAAAAAAECcAABAnAAAAAAAAAAAAAAAAAAAAAAAAAAAAAAAAAAAAAAAAAAAAABQAAAAAAAAAwMD/AAAAAABkAAAAMgAAAAAAAABkAAAAAAAAAH9/fwAKAAAAHwAAAFQAAAC74OMF////AQAAAAAAAAAAAAAAAAAAAAAAAAAAAAAAAAAAAAAAAAAAVVVVAH9/fwCAgIADzMzMAMDA/wB/f38AAAAAAAAAAAAAAAAAAAAAAAAAAAAhAAAAGAAAABQAAAA3HAAA0g4AADkcAAB6EAAAEAAAACYAAAAIAAAA//////////8="/>
+                <pr:smNativeData xmlns:pr="smNativeData" val="SMDATA_13_gcGAXRMAAAAlAAAACgAAAA8BAAAAkAAAAEgAAACQAAAASAAAAAAAAAAAAAAAAAAAAAEAAABQAAAAAAAAAAAA4D8AAAAAAADgPwAAAAAAAOA/AAAAAAAA4D8AAAAAAADgPwAAAAAAAOA/AAAAAAAA4D8AAAAAAADgPwAAAAAAAOA/AAAAAAAA4D8CAAAAjAAAAAAAAAAAAAAAu+DjDP///wgAAAAAAAAAAAAAAAAAAAAAAAAAAAAAAAAAAAAAZAAAAAEAAABAAAAAAAAAAAAAAAAAAAAAAAAAAAAAAAAAAAAAAAAAAAAAAAAAAAAAAAAAAAAAAAAAAAAAAAAAAAAAAAAAAAAAAAAAAAAAAAAAAAAAAAAAAAAAAAAAAAAAFAAAADwAAAABAAAAAAAAAFVVVQBQAAAAAQAAAAQAAAAAAAAAAAAAAAAAAAAAAAAAZAAAAGQAAAACAAAAZAAAAGQAAAAVAAAAYAAAAAAAAAAAAAAADwAAACADAAAAAAAAAAAAAAEAAACgMgAAAAAAAAAAAAABAAAAf39/AAEAAABkAAAAAAAAABQAAABAHwAAAAAAACYAAAAAAAAAwOD//wAAAAAmAAAAZAAAABYAAABMAAAAAAAAAAAAAAAEAAAAAAAAAAEAAACAgIAKAAAAACgAAAAoAAAAZAAAAGQAAAAAAAAAzMzMAAAAAABQAAAAUAAAAGQAAABkAAAAAAAAABcAAAAUAAAAAAAAAAAAAAD/fwAA/38AAAAAAAAJAAAABAAAAAAAAAAMAAAAEAAAAAAAAAAAAAAAAAAAAAAAAAAeAAAAaAAAAAAAAAAAAAAAAAAAAAAAAAAAAAAAECcAABAnAAAAAAAAAAAAAAAAAAAAAAAAAAAAAAAAAAAAAAAAAAAAABQAAAAAAAAAwMD/AAAAAABkAAAAMgAAAAAAAABkAAAAAAAAAH9/fwAKAAAAHwAAAFQAAAC74OMF////AQAAAAAAAAAAAAAAAAAAAAAAAAAAAAAAAAAAAAAAAAAAVVVVAH9/fwCAgIADzMzMAMDA/wB/f38AAAAAAAAAAAAAAAAAAAAAAAAAAAAhAAAAGAAAABQAAAA3HAAA0g4AADkcAAB6EAAAEAAAACYAAAAIAAAA//////////8="/>
               </a:ext>
             </a:extLst>
           </p:cNvSpPr>
@@ -9486,7 +9486,7 @@
           <p:cNvSpPr>
             <a:extLst>
               <a:ext uri="smNativeData">
-                <pr:smNativeData xmlns:pr="smNativeData" val="SMDATA_13_IrKAXRMAAAAlAAAACgAAAA8BAAAAkAAAAEgAAACQAAAASAAAAAAAAAAAAAAAAAAAAAEAAABQAAAAAAAAAAAA4D8AAAAAAADgPwAAAAAAAOA/AAAAAAAA4D8AAAAAAADgPwAAAAAAAOA/AAAAAAAA4D8AAAAAAADgPwAAAAAAAOA/AAAAAAAA4D8CAAAAjAAAAAAAAAAAAAAAu+DjDP///wgAAAAAAAAAAAAAAAAAAAAAAAAAAAAAAAAAAAAAZAAAAAEAAABAAAAAAAAAAAAAAAAAAAAAAAAAAAAAAAAAAAAAAAAAAAAAAAAAAAAAAAAAAAAAAAAAAAAAAAAAAAAAAAAAAAAAAAAAAAAAAAAAAAAAAAAAAAAAAAAAAAAAFAAAADwAAAABAAAAAAAAAFVVVQBQAAAAAQAAAAQAAAAAAAAAAAAAAAAAAAAAAAAAZAAAAGQAAAACAAAAZAAAAGQAAAAVAAAAYAAAAAAAAAAAAAAADwAAACADAAAAAAAAAAAAAAEAAACgMgAAAAAAAAAAAAABAAAAf39/AAEAAABkAAAAAAAAABQAAABAHwAAAAAAACYAAAAAAAAAwOD//wAAAAAmAAAAZAAAABYAAABMAAAAAAAAAAAAAAAEAAAAAAAAAAEAAACAgIAKAAAAACgAAAAoAAAAZAAAAGQAAAAAAAAAzMzMAAAAAABQAAAAUAAAAGQAAABkAAAAAAAAABcAAAAUAAAAAAAAAAAAAAD/fwAA/38AAAAAAAAJAAAABAAAAAAAAAAMAAAAEAAAAAAAAAAAAAAAAAAAAAAAAAAeAAAAaAAAAAAAAAAAAAAAAAAAAAAAAAAAAAAAECcAABAnAAAAAAAAAAAAAAAAAAAAAAAAAAAAAAAAAAAAAAAAAAAAABQAAAAAAAAAwMD/AAAAAABkAAAAMgAAAAAAAABkAAAAAAAAAH9/fwAKAAAAHwAAAFQAAAC74OMF////AQAAAAAAAAAAAAAAAAAAAAAAAAAAAAAAAAAAAAAAAAAAVVVVAH9/fwCAgIADzMzMAMDA/wB/f38AAAAAAAAAAAAAAAAAAAAAAAAAAAAhAAAAGAAAABQAAAD0FgAA9w4AAMAaAAA7EAAAEAAAACYAAAAIAAAA//////////8="/>
+                <pr:smNativeData xmlns:pr="smNativeData" val="SMDATA_13_gcGAXRMAAAAlAAAACgAAAA8BAAAAkAAAAEgAAACQAAAASAAAAAAAAAAAAAAAAAAAAAEAAABQAAAAAAAAAAAA4D8AAAAAAADgPwAAAAAAAOA/AAAAAAAA4D8AAAAAAADgPwAAAAAAAOA/AAAAAAAA4D8AAAAAAADgPwAAAAAAAOA/AAAAAAAA4D8CAAAAjAAAAAAAAAAAAAAAu+DjDP///wgAAAAAAAAAAAAAAAAAAAAAAAAAAAAAAAAAAAAAZAAAAAEAAABAAAAAAAAAAAAAAAAAAAAAAAAAAAAAAAAAAAAAAAAAAAAAAAAAAAAAAAAAAAAAAAAAAAAAAAAAAAAAAAAAAAAAAAAAAAAAAAAAAAAAAAAAAAAAAAAAAAAAFAAAADwAAAABAAAAAAAAAFVVVQBQAAAAAQAAAAQAAAAAAAAAAAAAAAAAAAAAAAAAZAAAAGQAAAACAAAAZAAAAGQAAAAVAAAAYAAAAAAAAAAAAAAADwAAACADAAAAAAAAAAAAAAEAAACgMgAAAAAAAAAAAAABAAAAf39/AAEAAABkAAAAAAAAABQAAABAHwAAAAAAACYAAAAAAAAAwOD//wAAAAAmAAAAZAAAABYAAABMAAAAAAAAAAAAAAAEAAAAAAAAAAEAAACAgIAKAAAAACgAAAAoAAAAZAAAAGQAAAAAAAAAzMzMAAAAAABQAAAAUAAAAGQAAABkAAAAAAAAABcAAAAUAAAAAAAAAAAAAAD/fwAA/38AAAAAAAAJAAAABAAAAAAAAAAMAAAAEAAAAAAAAAAAAAAAAAAAAAAAAAAeAAAAaAAAAAAAAAAAAAAAAAAAAAAAAAAAAAAAECcAABAnAAAAAAAAAAAAAAAAAAAAAAAAAAAAAAAAAAAAAAAAAAAAABQAAAAAAAAAwMD/AAAAAABkAAAAMgAAAAAAAABkAAAAAAAAAH9/fwAKAAAAHwAAAFQAAAC74OMF////AQAAAAAAAAAAAAAAAAAAAAAAAAAAAAAAAAAAAAAAAAAAVVVVAH9/fwCAgIADzMzMAMDA/wB/f38AAAAAAAAAAAAAAAAAAAAAAAAAAAAhAAAAGAAAABQAAAD0FgAA9w4AAMAaAAA7EAAAEAAAACYAAAAIAAAA//////////8="/>
               </a:ext>
             </a:extLst>
           </p:cNvSpPr>
@@ -9518,7 +9518,7 @@
           <p:cNvSpPr>
             <a:extLst>
               <a:ext uri="smNativeData">
-                <pr:smNativeData xmlns:pr="smNativeData" val="SMDATA_13_IrKAXRMAAAAlAAAACgAAAA8BAAAAkAAAAEgAAACQAAAASAAAAAAAAAAAAAAAAAAAAAEAAABQAAAAAAAAAAAA4D8AAAAAAADgPwAAAAAAAOA/AAAAAAAA4D8AAAAAAADgPwAAAAAAAOA/AAAAAAAA4D8AAAAAAADgPwAAAAAAAOA/AAAAAAAA4D8CAAAAjAAAAAAAAAAAAAAAu+DjDP///wgAAAAAAAAAAAAAAAAAAAAAAAAAAAAAAAAAAAAAZAAAAAEAAABAAAAAAAAAAAAAAAAAAAAAAAAAAAAAAAAAAAAAAAAAAAAAAAAAAAAAAAAAAAAAAAAAAAAAAAAAAAAAAAAAAAAAAAAAAAAAAAAAAAAAAAAAAAAAAAAAAAAAFAAAADwAAAABAAAAAAAAAFVVVQBQAAAAAQAAAAQAAAAAAAAAAAAAAAAAAAAAAAAAZAAAAGQAAAACAAAAZAAAAGQAAAAVAAAAYAAAAAAAAAAAAAAADwAAACADAAAAAAAAAAAAAAEAAACgMgAAAAAAAAAAAAABAAAAf39/AAEAAABkAAAAAAAAABQAAABAHwAAAAAAACYAAAAAAAAAwOD//wAAAAAmAAAAZAAAABYAAABMAAAAAAAAAAAAAAAEAAAAAAAAAAEAAACAgIAKAAAAACgAAAAoAAAAZAAAAGQAAAAAAAAAzMzMAAAAAABQAAAAUAAAAGQAAABkAAAAAAAAABcAAAAUAAAAAAAAAAAAAAD/fwAA/38AAAAAAAAJAAAABAAAAAAAAAAMAAAAEAAAAAAAAAAAAAAAAAAAAAAAAAAeAAAAaAAAAAAAAAAAAAAAAAAAAAAAAAAAAAAAECcAABAnAAAAAAAAAAAAAAAAAAAAAAAAAAAAAAAAAAAAAAAAAAAAABQAAAAAAAAAwMD/AAAAAABkAAAAMgAAAAAAAABkAAAAAAAAAH9/fwAKAAAAHwAAAFQAAAC74OMF////AQAAAAAAAAAAAAAAAAAAAAAAAAAAAAAAAAAAAAAAAAAAVVVVAH9/fwCAgIADzMzMAMDA/wB/f38AAAAAAAAAAAAAAAAAAAAAAAAAAAAhAAAAGAAAABQAAAACDwAA/xEAADAVAAA0FAAAEAAAACYAAAAIAAAA//////////8="/>
+                <pr:smNativeData xmlns:pr="smNativeData" val="SMDATA_13_gcGAXRMAAAAlAAAACgAAAA8BAAAAkAAAAEgAAACQAAAASAAAAAAAAAAAAAAAAAAAAAEAAABQAAAAAAAAAAAA4D8AAAAAAADgPwAAAAAAAOA/AAAAAAAA4D8AAAAAAADgPwAAAAAAAOA/AAAAAAAA4D8AAAAAAADgPwAAAAAAAOA/AAAAAAAA4D8CAAAAjAAAAAAAAAAAAAAAu+DjDP///wgAAAAAAAAAAAAAAAAAAAAAAAAAAAAAAAAAAAAAZAAAAAEAAABAAAAAAAAAAAAAAAAAAAAAAAAAAAAAAAAAAAAAAAAAAAAAAAAAAAAAAAAAAAAAAAAAAAAAAAAAAAAAAAAAAAAAAAAAAAAAAAAAAAAAAAAAAAAAAAAAAAAAFAAAADwAAAABAAAAAAAAAFVVVQBQAAAAAQAAAAQAAAAAAAAAAAAAAAAAAAAAAAAAZAAAAGQAAAACAAAAZAAAAGQAAAAVAAAAYAAAAAAAAAAAAAAADwAAACADAAAAAAAAAAAAAAEAAACgMgAAAAAAAAAAAAABAAAAf39/AAEAAABkAAAAAAAAABQAAABAHwAAAAAAACYAAAAAAAAAwOD//wAAAAAmAAAAZAAAABYAAABMAAAAAAAAAAAAAAAEAAAAAAAAAAEAAACAgIAKAAAAACgAAAAoAAAAZAAAAGQAAAAAAAAAzMzMAAAAAABQAAAAUAAAAGQAAABkAAAAAAAAABcAAAAUAAAAAAAAAAAAAAD/fwAA/38AAAAAAAAJAAAABAAAAAAAAAAMAAAAEAAAAAAAAAAAAAAAAAAAAAAAAAAeAAAAaAAAAAAAAAAAAAAAAAAAAAAAAAAAAAAAECcAABAnAAAAAAAAAAAAAAAAAAAAAAAAAAAAAAAAAAAAAAAAAAAAABQAAAAAAAAAwMD/AAAAAABkAAAAMgAAAAAAAABkAAAAAAAAAH9/fwAKAAAAHwAAAFQAAAC74OMF////AQAAAAAAAAAAAAAAAAAAAAAAAAAAAAAAAAAAAAAAAAAAVVVVAH9/fwCAgIADzMzMAMDA/wB/f38AAAAAAAAAAAAAAAAAAAAAAAAAAAAhAAAAGAAAABQAAAACDwAA/xEAADAVAAA0FAAAEAAAACYAAAAIAAAA//////////8="/>
               </a:ext>
             </a:extLst>
           </p:cNvSpPr>
@@ -9550,7 +9550,7 @@
           <p:cNvSpPr>
             <a:extLst>
               <a:ext uri="smNativeData">
-                <pr:smNativeData xmlns:pr="smNativeData" val="SMDATA_13_IrKAXRMAAAAlAAAACgAAAA8BAAAAkAAAAEgAAACQAAAASAAAAAAAAAAAAAAAAAAAAAEAAABQAAAAAAAAAAAA4D8AAAAAAADgPwAAAAAAAOA/AAAAAAAA4D8AAAAAAADgPwAAAAAAAOA/AAAAAAAA4D8AAAAAAADgPwAAAAAAAOA/AAAAAAAA4D8CAAAAjAAAAAAAAAAAAAAAu+DjDP///wgAAAAAAAAAAAAAAAAAAAAAAAAAAAAAAAAAAAAAZAAAAAEAAABAAAAAAAAAAAAAAAAAAAAAAAAAAAAAAAAAAAAAAAAAAAAAAAAAAAAAAAAAAAAAAAAAAAAAAAAAAAAAAAAAAAAAAAAAAAAAAAAAAAAAAAAAAAAAAAAAAAAAFAAAADwAAAABAAAAAAAAAFVVVQBQAAAAAQAAAAQAAAAAAAAAAAAAAAAAAAAAAAAAZAAAAGQAAAACAAAAZAAAAGQAAAAVAAAAYAAAAAAAAAAAAAAADwAAACADAAAAAAAAAAAAAAEAAACgMgAAAAAAAAAAAAABAAAAf39/AAEAAABkAAAAAAAAABQAAABAHwAAAAAAACYAAAAAAAAAwOD//wAAAAAmAAAAZAAAABYAAABMAAAAAAAAAAAAAAAEAAAAAAAAAAEAAACAgIAKAAAAACgAAAAoAAAAZAAAAGQAAAAAAAAAzMzMAAAAAABQAAAAUAAAAGQAAABkAAAAAAAAABcAAAAUAAAAAAAAAAAAAAD/fwAA/38AAAAAAAAJAAAABAAAAAAAAAAMAAAAEAAAAAAAAAAAAAAAAAAAAAAAAAAeAAAAaAAAAAAAAAAAAAAAAAAAAAAAAAAAAAAAECcAABAnAAAAAAAAAAAAAAAAAAAAAAAAAAAAAAAAAAAAAAAAAAAAABQAAAAAAAAAwMD/AAAAAABkAAAAMgAAAAAAAABkAAAAAAAAAH9/fwAKAAAAHwAAAFQAAAC74OMF////AQAAAAAAAAAAAAAAAAAAAAAAAAAAAAAAAAAAAAAAAAAAVVVVAH9/fwCAgIADzMzMAMDA/wB/f38AAAAAAAAAAAAAAAAAAAAAAAAAAAAhAAAAGAAAABQAAACQDgAAgBkAAJIOAACnIwAAEAAAACYAAAAIAAAA//////////8="/>
+                <pr:smNativeData xmlns:pr="smNativeData" val="SMDATA_13_gcGAXRMAAAAlAAAACgAAAA8BAAAAkAAAAEgAAACQAAAASAAAAAAAAAAAAAAAAAAAAAEAAABQAAAAAAAAAAAA4D8AAAAAAADgPwAAAAAAAOA/AAAAAAAA4D8AAAAAAADgPwAAAAAAAOA/AAAAAAAA4D8AAAAAAADgPwAAAAAAAOA/AAAAAAAA4D8CAAAAjAAAAAAAAAAAAAAAu+DjDP///wgAAAAAAAAAAAAAAAAAAAAAAAAAAAAAAAAAAAAAZAAAAAEAAABAAAAAAAAAAAAAAAAAAAAAAAAAAAAAAAAAAAAAAAAAAAAAAAAAAAAAAAAAAAAAAAAAAAAAAAAAAAAAAAAAAAAAAAAAAAAAAAAAAAAAAAAAAAAAAAAAAAAAFAAAADwAAAABAAAAAAAAAFVVVQBQAAAAAQAAAAQAAAAAAAAAAAAAAAAAAAAAAAAAZAAAAGQAAAACAAAAZAAAAGQAAAAVAAAAYAAAAAAAAAAAAAAADwAAACADAAAAAAAAAAAAAAEAAACgMgAAAAAAAAAAAAABAAAAf39/AAEAAABkAAAAAAAAABQAAABAHwAAAAAAACYAAAAAAAAAwOD//wAAAAAmAAAAZAAAABYAAABMAAAAAAAAAAAAAAAEAAAAAAAAAAEAAACAgIAKAAAAACgAAAAoAAAAZAAAAGQAAAAAAAAAzMzMAAAAAABQAAAAUAAAAGQAAABkAAAAAAAAABcAAAAUAAAAAAAAAAAAAAD/fwAA/38AAAAAAAAJAAAABAAAAAAAAAAMAAAAEAAAAAAAAAAAAAAAAAAAAAAAAAAeAAAAaAAAAAAAAAAAAAAAAAAAAAAAAAAAAAAAECcAABAnAAAAAAAAAAAAAAAAAAAAAAAAAAAAAAAAAAAAAAAAAAAAABQAAAAAAAAAwMD/AAAAAABkAAAAMgAAAAAAAABkAAAAAAAAAH9/fwAKAAAAHwAAAFQAAAC74OMF////AQAAAAAAAAAAAAAAAAAAAAAAAAAAAAAAAAAAAAAAAAAAVVVVAH9/fwCAgIADzMzMAMDA/wB/f38AAAAAAAAAAAAAAAAAAAAAAAAAAAAhAAAAGAAAABQAAACQDgAAgBkAAJIOAACnIwAAEAAAACYAAAAIAAAA//////////8="/>
               </a:ext>
             </a:extLst>
           </p:cNvSpPr>
@@ -9582,7 +9582,7 @@
           <p:cNvSpPr>
             <a:extLst>
               <a:ext uri="smNativeData">
-                <pr:smNativeData xmlns:pr="smNativeData" val="SMDATA_13_IrKAXRMAAAAlAAAACgAAAA8BAAAAkAAAAEgAAACQAAAASAAAAAAAAAAAAAAAAAAAAAEAAABQAAAAAAAAAAAA4D8AAAAAAADgPwAAAAAAAOA/AAAAAAAA4D8AAAAAAADgPwAAAAAAAOA/AAAAAAAA4D8AAAAAAADgPwAAAAAAAOA/AAAAAAAA4D8CAAAAjAAAAAAAAAAAAAAAu+DjDP///wgAAAAAAAAAAAAAAAAAAAAAAAAAAAAAAAAAAAAAZAAAAAEAAABAAAAAAAAAAAAAAAAAAAAAAAAAAAAAAAAAAAAAAAAAAAAAAAAAAAAAAAAAAAAAAAAAAAAAAAAAAAAAAAAAAAAAAAAAAAAAAAAAAAAAAAAAAAAAAAAAAAAAFAAAADwAAAABAAAAAAAAAFVVVQBQAAAAAQAAAAQAAAAAAAAAAAAAAAAAAAAAAAAAZAAAAGQAAAACAAAAZAAAAGQAAAAVAAAAYAAAAAAAAAAAAAAADwAAACADAAAAAAAAAAAAAAEAAACgMgAAAAAAAAAAAAABAAAAf39/AAEAAABkAAAAAAAAABQAAABAHwAAAAAAACYAAAAAAAAAwOD//wAAAAAmAAAAZAAAABYAAABMAAAAAAAAAAAAAAAEAAAAAAAAAAEAAACAgIAKAAAAACgAAAAoAAAAZAAAAGQAAAAAAAAAzMzMAAAAAABQAAAAUAAAAGQAAABkAAAAAAAAABcAAAAUAAAAAAAAAAAAAAD/fwAA/38AAAAAAAAJAAAABAAAAAAAAAAMAAAAEAAAAAAAAAAAAAAAAAAAAAAAAAAeAAAAaAAAAAAAAAAAAAAAAAAAAAAAAAAAAAAAECcAABAnAAAAAAAAAAAAAAAAAAAAAAAAAAAAAAAAAAAAAAAAAAAAABQAAAAAAAAAwMD/AAAAAABkAAAAMgAAAAAAAABkAAAAAAAAAH9/fwAKAAAAHwAAAFQAAAC74OMF////AQAAAAAAAAAAAAAAAAAAAAAAAAAAAAAAAAAAAAAAAAAAVVVVAH9/fwCAgIADzMzMAMDA/wB/f38AAAAAAAAAAAAAAAAAAAAAAAAAAAAhAAAAGAAAABQAAADmHgAAswwAAN8iAAAkDQAAEAAAACYAAAAIAAAA//////////8="/>
+                <pr:smNativeData xmlns:pr="smNativeData" val="SMDATA_13_gcGAXRMAAAAlAAAACgAAAA8BAAAAkAAAAEgAAACQAAAASAAAAAAAAAAAAAAAAAAAAAEAAABQAAAAAAAAAAAA4D8AAAAAAADgPwAAAAAAAOA/AAAAAAAA4D8AAAAAAADgPwAAAAAAAOA/AAAAAAAA4D8AAAAAAADgPwAAAAAAAOA/AAAAAAAA4D8CAAAAjAAAAAAAAAAAAAAAu+DjDP///wgAAAAAAAAAAAAAAAAAAAAAAAAAAAAAAAAAAAAAZAAAAAEAAABAAAAAAAAAAAAAAAAAAAAAAAAAAAAAAAAAAAAAAAAAAAAAAAAAAAAAAAAAAAAAAAAAAAAAAAAAAAAAAAAAAAAAAAAAAAAAAAAAAAAAAAAAAAAAAAAAAAAAFAAAADwAAAABAAAAAAAAAFVVVQBQAAAAAQAAAAQAAAAAAAAAAAAAAAAAAAAAAAAAZAAAAGQAAAACAAAAZAAAAGQAAAAVAAAAYAAAAAAAAAAAAAAADwAAACADAAAAAAAAAAAAAAEAAACgMgAAAAAAAAAAAAABAAAAf39/AAEAAABkAAAAAAAAABQAAABAHwAAAAAAACYAAAAAAAAAwOD//wAAAAAmAAAAZAAAABYAAABMAAAAAAAAAAAAAAAEAAAAAAAAAAEAAACAgIAKAAAAACgAAAAoAAAAZAAAAGQAAAAAAAAAzMzMAAAAAABQAAAAUAAAAGQAAABkAAAAAAAAABcAAAAUAAAAAAAAAAAAAAD/fwAA/38AAAAAAAAJAAAABAAAAAAAAAAMAAAAEAAAAAAAAAAAAAAAAAAAAAAAAAAeAAAAaAAAAAAAAAAAAAAAAAAAAAAAAAAAAAAAECcAABAnAAAAAAAAAAAAAAAAAAAAAAAAAAAAAAAAAAAAAAAAAAAAABQAAAAAAAAAwMD/AAAAAABkAAAAMgAAAAAAAABkAAAAAAAAAH9/fwAKAAAAHwAAAFQAAAC74OMF////AQAAAAAAAAAAAAAAAAAAAAAAAAAAAAAAAAAAAAAAAAAAVVVVAH9/fwCAgIADzMzMAMDA/wB/f38AAAAAAAAAAAAAAAAAAAAAAAAAAAAhAAAAGAAAABQAAADmHgAAswwAAN8iAAAkDQAAEAAAACYAAAAIAAAA//////////8="/>
               </a:ext>
             </a:extLst>
           </p:cNvSpPr>
@@ -9614,7 +9614,7 @@
           <p:cNvSpPr>
             <a:extLst>
               <a:ext uri="smNativeData">
-                <pr:smNativeData xmlns:pr="smNativeData" val="SMDATA_13_IrKAXRMAAAAlAAAAZAAAAA8BAAAAkAAAAEgAAACQAAAASAAAAAAAAAABAAAAAAAAAAEAAABQAAAAAAAAAAAA4D8AAAAAAADgPwAAAAAAAOA/AAAAAAAA4D8AAAAAAADgPwAAAAAAAOA/AAAAAAAA4D8AAAAAAADgPwAAAAAAAOA/AAAAAAAA4D8CAAAAjAAAAAAAAAAAAAAAu+DjDP///wgAAAAAAAAAAAAAAAAAAAAAAAAAAAAAAAAAAAAAZAAAAAEAAABAAAAAAAAAAAAAAAAAAAAAAAAAAAAAAAAAAAAAAAAAAAAAAAAAAAAAAAAAAAAAAAAAAAAAAAAAAAAAAAAAAAAAAAAAAAAAAAAAAAAAAAAAAAAAAAAAAAAAFAAAADwAAAAAAAAAAAAAAAAAAAkUAAAAAQAAABQAAAAUAAAAFAAAAAEAAAAAAAAAZAAAAGQAAAAAAAAAZAAAAGQAAAAVAAAAYAAAAAAAAAAAAAAADwAAACADAAAAAAAAAAAAAAEAAACgMgAAVgcAAKr4//8BAAAAf39/AAEAAABkAAAAAAAAABQAAABAHwAAAAAAACYAAAAAAAAAwOD//wAAAAAmAAAAZAAAABYAAABMAAAAAAAAAAAAAAAEAAAAAAAAAAEAAACAgIAKAAAAACgAAAAoAAAAZAAAAGQAAAAAAAAAzMzMAAAAAABQAAAAUAAAAGQAAABkAAAAAAAAABcAAAAUAAAAAAAAAAAAAAD/fwAA/38AAAAAAAAJAAAABAAAAAAAAAAMAAAAEAAAAAAAAAAAAAAAAAAAAAAAAAAeAAAAaAAAAAAAAAAAAAAAAAAAAAAAAAAAAAAAECcAABAnAAAAAAAAAAAAAAAAAAAAAAAAAAAAAAAAAAAAAAAAAAAAABQAAAAAAAAAwMD/AAAAAABkAAAAMgAAAAAAAABkAAAAAAAAAH9/fwAKAAAAHwAAAFQAAAC74OMF////AQAAAAAAAAAAAAAAAAAAAAAAAAAAAAAAAAAAAAAAAAAAAAAAAn9/fwCAgIADzMzMAMDA/wB/f38AAAAAAAAAAAAAAAAAAAAAAAAAAAAhAAAAGAAAABQAAABqBAAAiAMAABY0AAAoBwAAEAAAACYAAAAIAAAA//////////8="/>
+                <pr:smNativeData xmlns:pr="smNativeData" val="SMDATA_13_gcGAXRMAAAAlAAAAZAAAAA8BAAAAkAAAAEgAAACQAAAASAAAAAAAAAABAAAAAAAAAAEAAABQAAAAAAAAAAAA4D8AAAAAAADgPwAAAAAAAOA/AAAAAAAA4D8AAAAAAADgPwAAAAAAAOA/AAAAAAAA4D8AAAAAAADgPwAAAAAAAOA/AAAAAAAA4D8CAAAAjAAAAAAAAAAAAAAAu+DjDP///wgAAAAAAAAAAAAAAAAAAAAAAAAAAAAAAAAAAAAAZAAAAAEAAABAAAAAAAAAAAAAAAAAAAAAAAAAAAAAAAAAAAAAAAAAAAAAAAAAAAAAAAAAAAAAAAAAAAAAAAAAAAAAAAAAAAAAAAAAAAAAAAAAAAAAAAAAAAAAAAAAAAAAFAAAADwAAAAAAAAAAAAAAAAAAAkUAAAAAQAAABQAAAAUAAAAFAAAAAEAAAAAAAAAZAAAAGQAAAAAAAAAZAAAAGQAAAAVAAAAYAAAAAAAAAAAAAAADwAAACADAAAAAAAAAAAAAAEAAACgMgAAVgcAAKr4//8BAAAAf39/AAEAAABkAAAAAAAAABQAAABAHwAAAAAAACYAAAAAAAAAwOD//wAAAAAmAAAAZAAAABYAAABMAAAAAAAAAAAAAAAEAAAAAAAAAAEAAACAgIAKAAAAACgAAAAoAAAAZAAAAGQAAAAAAAAAzMzMAAAAAABQAAAAUAAAAGQAAABkAAAAAAAAABcAAAAUAAAAAAAAAAAAAAD/fwAA/38AAAAAAAAJAAAABAAAAAAAAAAMAAAAEAAAAAAAAAAAAAAAAAAAAAAAAAAeAAAAaAAAAAAAAAAAAAAAAAAAAAAAAAAAAAAAECcAABAnAAAAAAAAAAAAAAAAAAAAAAAAAAAAAAAAAAAAAAAAAAAAABQAAAAAAAAAwMD/AAAAAABkAAAAMgAAAAAAAABkAAAAAAAAAH9/fwAKAAAAHwAAAFQAAAC74OMF////AQAAAAAAAAAAAAAAAAAAAAAAAAAAAAAAAAAAAAAAAAAAAAAAAn9/fwCAgIADzMzMAMDA/wB/f38AAAAAAAAAAAAAAAAAAAAAAAAAAAAhAAAAGAAAABQAAABqBAAAiAMAABY0AAAoBwAAEAAAACYAAAAIAAAA//////////8="/>
               </a:ext>
             </a:extLst>
           </p:cNvSpPr>
@@ -9660,7 +9660,7 @@
           <p:cNvSpPr>
             <a:extLst>
               <a:ext uri="smNativeData">
-                <pr:smNativeData xmlns:pr="smNativeData" val="SMDATA_13_IrKAXRMAAAAlAAAAZAAAAA8BAAAAkAAAAEgAAACQAAAASAAAAAAAAAAAAAAAAAAAAAEAAABQAAAAAAAAAAAA4D8AAAAAAADgPwAAAAAAAOA/AAAAAAAA4D8AAAAAAADgPwAAAAAAAOA/AAAAAAAA4D8AAAAAAADgPwAAAAAAAOA/AAAAAAAA4D8CAAAAjAAAAAAAAAAAAAAAu+DjDP///wgAAAAAAAAAAAAAAAAAAAAAAAAAAAAAAAAAAAAAZAAAAAEAAABAAAAAAAAAAAAAAAAAAAAAAAAAAAAAAAAAAAAAAAAAAAAAAAAAAAAAAAAAAAAAAAAAAAAAAAAAAAAAAAAAAAAAAAAAAAAAAAAAAAAAAAAAAAAAAAAAAAAAFAAAADwAAAABAAAAAAAAAB4eHgB4AAAAAQAAAAYAAAAAAAAAAAAAAAAAAAAAAAAAZAAAAGQAAAAAAAAAZAAAAGQAAAAVAAAAYAAAAAAAAAAAAAAADwAAACADAAAAAAAAAAAAAAEAAACgMgAAAAAAAAAAAAABAAAAf39/AAEAAABkAAAAAAAAABQAAABAHwAAAAAAACYAAAAAAAAAwOD//wAAAAAmAAAAZAAAABYAAABMAAAAAAAAAAAAAAAEAAAAAAAAAAEAAACAgIAKAAAAACgAAAAoAAAAZAAAAGQAAAAAAAAAzMzMAAAAAABQAAAAUAAAAGQAAABkAAAAAAAAABcAAAAUAAAAAAAAAAAAAAD/fwAA/38AAAAAAAAJAAAABAAAAAAAAAAMAAAAEAAAAAAAAAAAAAAAAAAAAAAAAAAeAAAAaAAAAAAAAAAAAAAAAAAAAAAAAAAAAAAAECcAABAnAAAAAAAAAAAAAAAAAAAAAAAAAAAAAAAAAAAAAAAAPAAAABQAAAAoAAAAHh4eAAAAAABkAAAAMgAAAAAAAABkAAAAAAAAAH9/fwAKAAAAHwAAAFQAAAC74OMF////AQAAAAAAAAAAAAAAAAAAAAAAAAAAAAAAAAAAAAAAAAAAHh4eAH9/fwCAgIADzMzMAB4eHgB/f38AAAAAAAAAAAAAAAAAAAAAAAAAAAAhAAAAGAAAABQAAADMGQAADQoAAKceAADoDgAAEAAAACYAAAAIAAAA//////////8="/>
+                <pr:smNativeData xmlns:pr="smNativeData" val="SMDATA_13_gcGAXRMAAAAlAAAAZAAAAA8BAAAAkAAAAEgAAACQAAAASAAAAAAAAAAAAAAAAAAAAAEAAABQAAAAAAAAAAAA4D8AAAAAAADgPwAAAAAAAOA/AAAAAAAA4D8AAAAAAADgPwAAAAAAAOA/AAAAAAAA4D8AAAAAAADgPwAAAAAAAOA/AAAAAAAA4D8CAAAAjAAAAAAAAAAAAAAAu+DjDP///wgAAAAAAAAAAAAAAAAAAAAAAAAAAAAAAAAAAAAAZAAAAAEAAABAAAAAAAAAAAAAAAAAAAAAAAAAAAAAAAAAAAAAAAAAAAAAAAAAAAAAAAAAAAAAAAAAAAAAAAAAAAAAAAAAAAAAAAAAAAAAAAAAAAAAAAAAAAAAAAAAAAAAFAAAADwAAAABAAAAAAAAAB4eHgB4AAAAAQAAAAYAAAAAAAAAAAAAAAAAAAAAAAAAZAAAAGQAAAAAAAAAZAAAAGQAAAAVAAAAYAAAAAAAAAAAAAAADwAAACADAAAAAAAAAAAAAAEAAACgMgAAAAAAAAAAAAABAAAAf39/AAEAAABkAAAAAAAAABQAAABAHwAAAAAAACYAAAAAAAAAwOD//wAAAAAmAAAAZAAAABYAAABMAAAAAAAAAAAAAAAEAAAAAAAAAAEAAACAgIAKAAAAACgAAAAoAAAAZAAAAGQAAAAAAAAAzMzMAAAAAABQAAAAUAAAAGQAAABkAAAAAAAAABcAAAAUAAAAAAAAAAAAAAD/fwAA/38AAAAAAAAJAAAABAAAAAAAAAAMAAAAEAAAAAAAAAAAAAAAAAAAAAAAAAAeAAAAaAAAAAAAAAAAAAAAAAAAAAAAAAAAAAAAECcAABAnAAAAAAAAAAAAAAAAAAAAAAAAAAAAAAAAAAAAAAAAPAAAABQAAAAoAAAAHh4eAAAAAABkAAAAMgAAAAAAAABkAAAAAAAAAH9/fwAKAAAAHwAAAFQAAAC74OMF////AQAAAAAAAAAAAAAAAAAAAAAAAAAAAAAAAAAAAAAAAAAAHh4eAH9/fwCAgIADzMzMAB4eHgB/f38AAAAAAAAAAAAAAAAAAAAAAAAAAAAhAAAAGAAAABQAAADMGQAADQoAAKceAADoDgAAEAAAACYAAAAIAAAA//////////8="/>
               </a:ext>
             </a:extLst>
           </p:cNvSpPr>
@@ -9699,7 +9699,7 @@
           <p:cNvSpPr>
             <a:extLst>
               <a:ext uri="smNativeData">
-                <pr:smNativeData xmlns:pr="smNativeData" val="SMDATA_13_IrKAXRMAAAAlAAAAZAAAAA8BAAAAkAAAAEgAAACQAAAASAAAAAAAAAAAAAAAAAAAAAEAAABQAAAAAAAAAAAA4D8AAAAAAADgPwAAAAAAAOA/AAAAAAAA4D8AAAAAAADgPwAAAAAAAOA/AAAAAAAA4D8AAAAAAADgPwAAAAAAAOA/AAAAAAAA4D8CAAAAjAAAAAAAAAAAAAAAu+DjDP///wgAAAAAAAAAAAAAAAAAAAAAAAAAAAAAAAAAAAAAZAAAAAEAAABAAAAAAAAAAAAAAAAAAAAAAAAAAAAAAAAAAAAAAAAAAAAAAAAAAAAAAAAAAAAAAAAAAAAAAAAAAAAAAAAAAAAAAAAAAAAAAAAAAAAAAAAAAAAAAAAAAAAAFAAAADwAAAABAAAAAAAAAB4eHgB4AAAAAQAAAAYAAAAAAAAAAAAAAAAAAAAAAAAAZAAAAGQAAAAAAAAAZAAAAGQAAAAVAAAAYAAAAAAAAAAAAAAADwAAACADAAAAAAAAAAAAAAEAAACgMgAAAAAAAAAAAAABAAAAf39/AAEAAABkAAAAAAAAABQAAABAHwAAAAAAACYAAAAAAAAAwOD//wAAAAAmAAAAZAAAABYAAABMAAAAAAAAAAAAAAAEAAAAAAAAAAEAAACAgIAKAAAAACgAAAAoAAAAZAAAAGQAAAAAAAAAzMzMAAAAAABQAAAAUAAAAGQAAABkAAAAAAAAABcAAAAUAAAAAAAAAAAAAAD/fwAA/38AAAAAAAAJAAAABAAAAAAAAAAMAAAAEAAAAAAAAAAAAAAAAAAAAAAAAAAeAAAAaAAAAAAAAAAAAAAAAAAAAAAAAAAAAAAAECcAABAnAAAAAAAAAAAAAAAAAAAAAAAAAAAAAAAAAAAAAAAAPAAAABQAAAAoAAAAHh4eAAAAAABkAAAAMgAAAAAAAABkAAAAAAAAAH9/fwAKAAAAHwAAAFQAAAC74OMF////AQAAAAAAAAAAAAAAAAAAAAAAAAAAAAAAAAAAAAAAAAAAHh4eAH9/fwCAgIADzMzMAB4eHgB/f38AAAAAAAAAAAAAAAAAAAAAAAAAAAAhAAAAGAAAABQAAAARIwAAfgoAAOwnAABZDwAAEAAAACYAAAAIAAAA//////////8="/>
+                <pr:smNativeData xmlns:pr="smNativeData" val="SMDATA_13_gcGAXRMAAAAlAAAAZAAAAA8BAAAAkAAAAEgAAACQAAAASAAAAAAAAAAAAAAAAAAAAAEAAABQAAAAAAAAAAAA4D8AAAAAAADgPwAAAAAAAOA/AAAAAAAA4D8AAAAAAADgPwAAAAAAAOA/AAAAAAAA4D8AAAAAAADgPwAAAAAAAOA/AAAAAAAA4D8CAAAAjAAAAAAAAAAAAAAAu+DjDP///wgAAAAAAAAAAAAAAAAAAAAAAAAAAAAAAAAAAAAAZAAAAAEAAABAAAAAAAAAAAAAAAAAAAAAAAAAAAAAAAAAAAAAAAAAAAAAAAAAAAAAAAAAAAAAAAAAAAAAAAAAAAAAAAAAAAAAAAAAAAAAAAAAAAAAAAAAAAAAAAAAAAAAFAAAADwAAAABAAAAAAAAAB4eHgB4AAAAAQAAAAYAAAAAAAAAAAAAAAAAAAAAAAAAZAAAAGQAAAAAAAAAZAAAAGQAAAAVAAAAYAAAAAAAAAAAAAAADwAAACADAAAAAAAAAAAAAAEAAACgMgAAAAAAAAAAAAABAAAAf39/AAEAAABkAAAAAAAAABQAAABAHwAAAAAAACYAAAAAAAAAwOD//wAAAAAmAAAAZAAAABYAAABMAAAAAAAAAAAAAAAEAAAAAAAAAAEAAACAgIAKAAAAACgAAAAoAAAAZAAAAGQAAAAAAAAAzMzMAAAAAABQAAAAUAAAAGQAAABkAAAAAAAAABcAAAAUAAAAAAAAAAAAAAD/fwAA/38AAAAAAAAJAAAABAAAAAAAAAAMAAAAEAAAAAAAAAAAAAAAAAAAAAAAAAAeAAAAaAAAAAAAAAAAAAAAAAAAAAAAAAAAAAAAECcAABAnAAAAAAAAAAAAAAAAAAAAAAAAAAAAAAAAAAAAAAAAPAAAABQAAAAoAAAAHh4eAAAAAABkAAAAMgAAAAAAAABkAAAAAAAAAH9/fwAKAAAAHwAAAFQAAAC74OMF////AQAAAAAAAAAAAAAAAAAAAAAAAAAAAAAAAAAAAAAAAAAAHh4eAH9/fwCAgIADzMzMAB4eHgB/f38AAAAAAAAAAAAAAAAAAAAAAAAAAAAhAAAAGAAAABQAAAARIwAAfgoAAOwnAABZDwAAEAAAACYAAAAIAAAA//////////8="/>
               </a:ext>
             </a:extLst>
           </p:cNvSpPr>
@@ -9738,7 +9738,7 @@
           <p:cNvSpPr>
             <a:extLst>
               <a:ext uri="smNativeData">
-                <pr:smNativeData xmlns:pr="smNativeData" val="SMDATA_13_IrKAXRMAAAAlAAAAZAAAAA8BAAAAkAAAAEgAAACQAAAASAAAAAAAAAAAAAAAAAAAAAEAAABQAAAAAAAAAAAA4D8AAAAAAADgPwAAAAAAAOA/AAAAAAAA4D8AAAAAAADgPwAAAAAAAOA/AAAAAAAA4D8AAAAAAADgPwAAAAAAAOA/AAAAAAAA4D8CAAAAjAAAAAAAAAAAAAAAu+DjDP///wgAAAAAAAAAAAAAAAAAAAAAAAAAAAAAAAAAAAAAZAAAAAEAAABAAAAAAAAAAAAAAAAAAAAAAAAAAAAAAAAAAAAAAAAAAAAAAAAAAAAAAAAAAAAAAAAAAAAAAAAAAAAAAAAAAAAAAAAAAAAAAAAAAAAAAAAAAAAAAAAAAAAAFAAAADwAAAABAAAAAAAAAB4eHgB4AAAAAQAAAAYAAAAAAAAAAAAAAAAAAAAAAAAAZAAAAGQAAAAAAAAAZAAAAGQAAAAVAAAAYAAAAAAAAAAAAAAADwAAACADAAAAAAAAAAAAAAEAAACgMgAAAAAAAAAAAAABAAAAf39/AAEAAABkAAAAAAAAABQAAABAHwAAAAAAACYAAAAAAAAAwOD//wAAAAAmAAAAZAAAABYAAABMAAAAAAAAAAAAAAAEAAAAAAAAAAEAAACAgIAKAAAAACgAAAAoAAAAZAAAAGQAAAAAAAAAzMzMAAAAAABQAAAAUAAAAGQAAABkAAAAAAAAABcAAAAUAAAAAAAAAAAAAAD/fwAA/38AAAAAAAAJAAAABAAAAAAAAAAMAAAAEAAAAAAAAAAAAAAAAAAAAAAAAAAeAAAAaAAAAAAAAAAAAAAAAAAAAAAAAAAAAAAAECcAABAnAAAAAAAAAAAAAAAAAAAAAAAAAAAAAAAAAAAAAAAAPAAAABQAAAAoAAAAHh4eAAAAAABkAAAAMgAAAAAAAABkAAAAAAAAAH9/fwAKAAAAHwAAAFQAAAC74OMF////AQAAAAAAAAAAAAAAAAAAAAAAAAAAAAAAAAAAAAAAAAAAHh4eAH9/fwCAgIADzMzMAB4eHgB/f38AAAAAAAAAAAAAAAAAAAAAAAAAAAAhAAAAGAAAABQAAAA3DAAAGCQAABIRAADzKAAAEAAAACYAAAAIAAAA//////////8="/>
+                <pr:smNativeData xmlns:pr="smNativeData" val="SMDATA_13_gcGAXRMAAAAlAAAAZAAAAA8BAAAAkAAAAEgAAACQAAAASAAAAAAAAAAAAAAAAAAAAAEAAABQAAAAAAAAAAAA4D8AAAAAAADgPwAAAAAAAOA/AAAAAAAA4D8AAAAAAADgPwAAAAAAAOA/AAAAAAAA4D8AAAAAAADgPwAAAAAAAOA/AAAAAAAA4D8CAAAAjAAAAAAAAAAAAAAAu+DjDP///wgAAAAAAAAAAAAAAAAAAAAAAAAAAAAAAAAAAAAAZAAAAAEAAABAAAAAAAAAAAAAAAAAAAAAAAAAAAAAAAAAAAAAAAAAAAAAAAAAAAAAAAAAAAAAAAAAAAAAAAAAAAAAAAAAAAAAAAAAAAAAAAAAAAAAAAAAAAAAAAAAAAAAFAAAADwAAAABAAAAAAAAAB4eHgB4AAAAAQAAAAYAAAAAAAAAAAAAAAAAAAAAAAAAZAAAAGQAAAAAAAAAZAAAAGQAAAAVAAAAYAAAAAAAAAAAAAAADwAAACADAAAAAAAAAAAAAAEAAACgMgAAAAAAAAAAAAABAAAAf39/AAEAAABkAAAAAAAAABQAAABAHwAAAAAAACYAAAAAAAAAwOD//wAAAAAmAAAAZAAAABYAAABMAAAAAAAAAAAAAAAEAAAAAAAAAAEAAACAgIAKAAAAACgAAAAoAAAAZAAAAGQAAAAAAAAAzMzMAAAAAABQAAAAUAAAAGQAAABkAAAAAAAAABcAAAAUAAAAAAAAAAAAAAD/fwAA/38AAAAAAAAJAAAABAAAAAAAAAAMAAAAEAAAAAAAAAAAAAAAAAAAAAAAAAAeAAAAaAAAAAAAAAAAAAAAAAAAAAAAAAAAAAAAECcAABAnAAAAAAAAAAAAAAAAAAAAAAAAAAAAAAAAAAAAAAAAPAAAABQAAAAoAAAAHh4eAAAAAABkAAAAMgAAAAAAAABkAAAAAAAAAH9/fwAKAAAAHwAAAFQAAAC74OMF////AQAAAAAAAAAAAAAAAAAAAAAAAAAAAAAAAAAAAAAAAAAAHh4eAH9/fwCAgIADzMzMAB4eHgB/f38AAAAAAAAAAAAAAAAAAAAAAAAAAAAhAAAAGAAAABQAAAA3DAAAGCQAABIRAADzKAAAEAAAACYAAAAIAAAA//////////8="/>
               </a:ext>
             </a:extLst>
           </p:cNvSpPr>
@@ -9777,7 +9777,7 @@
           <p:cNvSpPr>
             <a:extLst>
               <a:ext uri="smNativeData">
-                <pr:smNativeData xmlns:pr="smNativeData" val="SMDATA_13_IrKAXRMAAAAlAAAAZAAAAA8BAAAAkAAAAEgAAACQAAAASAAAAAAAAAAAAAAAAAAAAAEAAABQAAAAAAAAAAAA4D8AAAAAAADgPwAAAAAAAOA/AAAAAAAA4D8AAAAAAADgPwAAAAAAAOA/AAAAAAAA4D8AAAAAAADgPwAAAAAAAOA/AAAAAAAA4D8CAAAAjAAAAAAAAAAAAAAAu+DjDP///wgAAAAAAAAAAAAAAAAAAAAAAAAAAAAAAAAAAAAAZAAAAAEAAABAAAAAAAAAAAAAAAAAAAAAAAAAAAAAAAAAAAAAAAAAAAAAAAAAAAAAAAAAAAAAAAAAAAAAAAAAAAAAAAAAAAAAAAAAAAAAAAAAAAAAAAAAAAAAAAAAAAAAFAAAADwAAAABAAAAAAAAAB4eHgB4AAAAAQAAAAYAAAAAAAAAAAAAAAAAAAAAAAAAZAAAAGQAAAAAAAAAZAAAAGQAAAAVAAAAYAAAAAAAAAAAAAAADwAAACADAAAAAAAAAAAAAAEAAACgMgAAAAAAAAAAAAABAAAAf39/AAEAAABkAAAAAAAAABQAAABAHwAAAAAAACYAAAAAAAAAwOD//wAAAAAmAAAAZAAAABYAAABMAAAAAAAAAAAAAAAEAAAAAAAAAAEAAACAgIAKAAAAACgAAAAoAAAAZAAAAGQAAAAAAAAAzMzMAAAAAABQAAAAUAAAAGQAAABkAAAAAAAAABcAAAAUAAAAAAAAAAAAAAD/fwAA/38AAAAAAAAJAAAABAAAAAAAAAAMAAAAEAAAAAAAAAAAAAAAAAAAAAAAAAAeAAAAaAAAAAAAAAAAAAAAAAAAAAAAAAAAAAAAECcAABAnAAAAAAAAAAAAAAAAAAAAAAAAAAAAAAAAAAAAAAAAPAAAABQAAAAoAAAAHh4eAAAAAABkAAAAMgAAAAAAAABkAAAAAAAAAH9/fwAKAAAAHwAAAFQAAAC74OMF////AQAAAAAAAAAAAAAAAAAAAAAAAAAAAAAAAAAAAAAAAAAAHh4eAH9/fwCAgIADzMzMAB4eHgB/f38AAAAAAAAAAAAAAAAAAAAAAAAAAAAhAAAAGAAAABQAAABcDAAApRQAADcRAACAGQAAEAAAACYAAAAIAAAA//////////8="/>
+                <pr:smNativeData xmlns:pr="smNativeData" val="SMDATA_13_gcGAXRMAAAAlAAAAZAAAAA8BAAAAkAAAAEgAAACQAAAASAAAAAAAAAAAAAAAAAAAAAEAAABQAAAAAAAAAAAA4D8AAAAAAADgPwAAAAAAAOA/AAAAAAAA4D8AAAAAAADgPwAAAAAAAOA/AAAAAAAA4D8AAAAAAADgPwAAAAAAAOA/AAAAAAAA4D8CAAAAjAAAAAAAAAAAAAAAu+DjDP///wgAAAAAAAAAAAAAAAAAAAAAAAAAAAAAAAAAAAAAZAAAAAEAAABAAAAAAAAAAAAAAAAAAAAAAAAAAAAAAAAAAAAAAAAAAAAAAAAAAAAAAAAAAAAAAAAAAAAAAAAAAAAAAAAAAAAAAAAAAAAAAAAAAAAAAAAAAAAAAAAAAAAAFAAAADwAAAABAAAAAAAAAB4eHgB4AAAAAQAAAAYAAAAAAAAAAAAAAAAAAAAAAAAAZAAAAGQAAAAAAAAAZAAAAGQAAAAVAAAAYAAAAAAAAAAAAAAADwAAACADAAAAAAAAAAAAAAEAAACgMgAAAAAAAAAAAAABAAAAf39/AAEAAABkAAAAAAAAABQAAABAHwAAAAAAACYAAAAAAAAAwOD//wAAAAAmAAAAZAAAABYAAABMAAAAAAAAAAAAAAAEAAAAAAAAAAEAAACAgIAKAAAAACgAAAAoAAAAZAAAAGQAAAAAAAAAzMzMAAAAAABQAAAAUAAAAGQAAABkAAAAAAAAABcAAAAUAAAAAAAAAAAAAAD/fwAA/38AAAAAAAAJAAAABAAAAAAAAAAMAAAAEAAAAAAAAAAAAAAAAAAAAAAAAAAeAAAAaAAAAAAAAAAAAAAAAAAAAAAAAAAAAAAAECcAABAnAAAAAAAAAAAAAAAAAAAAAAAAAAAAAAAAAAAAAAAAPAAAABQAAAAoAAAAHh4eAAAAAABkAAAAMgAAAAAAAABkAAAAAAAAAH9/fwAKAAAAHwAAAFQAAAC74OMF////AQAAAAAAAAAAAAAAAAAAAAAAAAAAAAAAAAAAAAAAAAAAHh4eAH9/fwCAgIADzMzMAB4eHgB/f38AAAAAAAAAAAAAAAAAAAAAAAAAAAAhAAAAGAAAABQAAABcDAAApRQAADcRAACAGQAAEAAAACYAAAAIAAAA//////////8="/>
               </a:ext>
             </a:extLst>
           </p:cNvSpPr>
@@ -9816,7 +9816,7 @@
           <p:cNvSpPr>
             <a:extLst>
               <a:ext uri="smNativeData">
-                <pr:smNativeData xmlns:pr="smNativeData" val="SMDATA_13_IrKAXRMAAAAlAAAAZAAAAA8BAAAAkAAAAEgAAACQAAAASAAAAAAAAAAAAAAAAAAAAAEAAABQAAAAAAAAAAAA4D8AAAAAAADgPwAAAAAAAOA/AAAAAAAA4D8AAAAAAADgPwAAAAAAAOA/AAAAAAAA4D8AAAAAAADgPwAAAAAAAOA/AAAAAAAA4D8CAAAAjAAAAAAAAAAAAAAAu+DjDP///wgAAAAAAAAAAAAAAAAAAAAAAAAAAAAAAAAAAAAAZAAAAAEAAABAAAAAAAAAAAAAAAAAAAAAAAAAAAAAAAAAAAAAAAAAAAAAAAAAAAAAAAAAAAAAAAAAAAAAAAAAAAAAAAAAAAAAAAAAAAAAAAAAAAAAAAAAAAAAAAAAAAAAFAAAADwAAAABAAAAAAAAABx9HAA8AAAAAQAAAAMAAAAAAAAAAAAAAAAAAAAAAAAAZAAAAGQAAAAAAAAAZAAAAGQAAAAVAAAAYAAAAAAAAAAAAAAADwAAACADAAAAAAAAAAAAAAEAAACgMgAAAAAAAAAAAAABAAAAf39/AAEAAABkAAAAAAAAABQAAABAHwAAAAAAACYAAAAAAAAAwOD//wAAAAAmAAAAZAAAABYAAABMAAAAAAAAAAAAAAAEAAAAAAAAAAEAAACAgIAKAAAAACgAAAAoAAAAZAAAAGQAAAAAAAAAzMzMAAAAAABQAAAAUAAAAGQAAABkAAAAAAAAABcAAAAUAAAAAAAAAAAAAAD/fwAA/38AAAAAAAAJAAAABAAAAAAAAAAMAAAAEAAAAAAAAAAAAAAAAAAAAAAAAAAeAAAAaAAAAAAAAAAAAAAAAAAAAAAAAAAAAAAAECcAABAnAAAAAAAAAAAAAAAAAAAAAAAAAAAAAAAAAAAAAAAAPAAAABQAAAAoAAAAHH0cAAAAAABkAAAAMgAAAAAAAABkAAAAAAAAAH9/fwAKAAAAHwAAAFQAAAC74OMF////AQAAAAAAAAAAAAAAAAAAAAAAAAAAAAAAAAAAAAAAAAAAHH0cAH9/fwCAgIADzMzMABx9HAB/f38AAAAAAAAAAAAAAAAAAAAAAAAAAAAhAAAAGAAAABQAAAAnCgAAUhMAAGwTAABEGwAAEAAAACYAAAAIAAAA//////////8="/>
+                <pr:smNativeData xmlns:pr="smNativeData" val="SMDATA_13_gcGAXRMAAAAlAAAAZAAAAA8BAAAAkAAAAEgAAACQAAAASAAAAAAAAAAAAAAAAAAAAAEAAABQAAAAAAAAAAAA4D8AAAAAAADgPwAAAAAAAOA/AAAAAAAA4D8AAAAAAADgPwAAAAAAAOA/AAAAAAAA4D8AAAAAAADgPwAAAAAAAOA/AAAAAAAA4D8CAAAAjAAAAAAAAAAAAAAAu+DjDP///wgAAAAAAAAAAAAAAAAAAAAAAAAAAAAAAAAAAAAAZAAAAAEAAABAAAAAAAAAAAAAAAAAAAAAAAAAAAAAAAAAAAAAAAAAAAAAAAAAAAAAAAAAAAAAAAAAAAAAAAAAAAAAAAAAAAAAAAAAAAAAAAAAAAAAAAAAAAAAAAAAAAAAFAAAADwAAAABAAAAAAAAABx9HAA8AAAAAQAAAAMAAAAAAAAAAAAAAAAAAAAAAAAAZAAAAGQAAAAAAAAAZAAAAGQAAAAVAAAAYAAAAAAAAAAAAAAADwAAACADAAAAAAAAAAAAAAEAAACgMgAAAAAAAAAAAAABAAAAf39/AAEAAABkAAAAAAAAABQAAABAHwAAAAAAACYAAAAAAAAAwOD//wAAAAAmAAAAZAAAABYAAABMAAAAAAAAAAAAAAAEAAAAAAAAAAEAAACAgIAKAAAAACgAAAAoAAAAZAAAAGQAAAAAAAAAzMzMAAAAAABQAAAAUAAAAGQAAABkAAAAAAAAABcAAAAUAAAAAAAAAAAAAAD/fwAA/38AAAAAAAAJAAAABAAAAAAAAAAMAAAAEAAAAAAAAAAAAAAAAAAAAAAAAAAeAAAAaAAAAAAAAAAAAAAAAAAAAAAAAAAAAAAAECcAABAnAAAAAAAAAAAAAAAAAAAAAAAAAAAAAAAAAAAAAAAAPAAAABQAAAAoAAAAHH0cAAAAAABkAAAAMgAAAAAAAABkAAAAAAAAAH9/fwAKAAAAHwAAAFQAAAC74OMF////AQAAAAAAAAAAAAAAAAAAAAAAAAAAAAAAAAAAAAAAAAAAHH0cAH9/fwCAgIADzMzMABx9HAB/f38AAAAAAAAAAAAAAAAAAAAAAAAAAAAhAAAAGAAAABQAAAAnCgAAUhMAAGwTAABEGwAAEAAAACYAAAAIAAAA//////////8="/>
               </a:ext>
             </a:extLst>
           </p:cNvSpPr>
@@ -9855,7 +9855,7 @@
           <p:cNvSpPr txBox="1">
             <a:extLst>
               <a:ext uri="smNativeData">
-                <pr:smNativeData xmlns:pr="smNativeData" val="SMDATA_13_IrKAXRMAAAAlAAAAEgAAAE8BAAAAkAAAAEgAAACQAAAASAAAAAAAAAAAAAAAAAAAAAEAAABQAAAAAAAAAAAA4D8AAAAAAADgPwAAAAAAAOA/AAAAAAAA4D8AAAAAAADgPwAAAAAAAOA/AAAAAAAA4D8AAAAAAADgPwAAAAAAAOA/AAAAAAAA4D8CAAAAjAAAAAAAAAAAAAAAu+DjDP///wgAAAAAAAAAAAAAAAAAAAAAAAAAAAAAAAAAAAAAZAAAAAEAAABAAAAAAAAAAAAAAAAAAAAAAAAAAAAAAAAAAAAAAAAAAAAAAAAAAAAAAAAAAAAAAAAAAAAAAAAAAAAAAAAAAAAAAAAAAAAAAAAAAAAAAAAAAAAAAAAAAAAAFAAAADwAAAAAAAAAAAAAAAAAAAkUAAAAAQAAABQAAAAUAAAAFAAAAAEAAAAAAAAAZAAAAGQAAAAAAAAAZAAAAGQAAAAVAAAAYAAAAAAAAAAAAAAADwAAACADAAAAAAAAAAAAAAEAAACgMgAAVgcAAKr4//8BAAAAf39/AAEAAABkAAAAAAAAABQAAABAHwAAAAAAACYAAAAAAAAAwOD//wAAAAAmAAAAZAAAABYAAABMAAAAAAAAAAAAAAAEAAAAAAAAAAEAAACAgIAKAAAAACgAAAAoAAAAZAAAAGQAAAAAAAAAzMzMAAAAAABQAAAAUAAAAGQAAABkAAAAAAAAABcAAAAUAAAAAAAAANwIAAD/fwAA/38AAAAAAAAJAAAABAAAAAAAAAAMAAAAEAAAAAAAAAAAAAAAAAAAAAAAAAAeAAAAaAAAAAAAAAAAAAAAAAAAAAAAAAAAAAAAECcAABAnAAAAAAAAAAAAAAAAAAAAAAAAAAAAAAAAAAAAAAAAAAAAABQAAAAAAAAAwMD/AAAAAABkAAAAMgAAAAAAAABkAAAAAAAAAH9/fwAKAAAAHwAAAFQAAAC74OMF////AQAAAAAAAAAAAAAAAAAAAAAAAAAAAAAAAAAAAAAAAAAAAAAAAn9/fwCAgIADzMzMAMDA/wB/f38AAAAAAAAAAAAAAAAAAAAAAAAAAAAhAAAAGAAAABQAAAADGgAA5woAAHUeAAB3DgAAECAAACYAAAAIAAAA//////////8="/>
+                <pr:smNativeData xmlns:pr="smNativeData" val="SMDATA_13_gcGAXRMAAAAlAAAAEgAAAE8BAAAAkAAAAEgAAACQAAAASAAAAAAAAAAAAAAAAAAAAAEAAABQAAAAAAAAAAAA4D8AAAAAAADgPwAAAAAAAOA/AAAAAAAA4D8AAAAAAADgPwAAAAAAAOA/AAAAAAAA4D8AAAAAAADgPwAAAAAAAOA/AAAAAAAA4D8CAAAAjAAAAAAAAAAAAAAAu+DjDP///wgAAAAAAAAAAAAAAAAAAAAAAAAAAAAAAAAAAAAAZAAAAAEAAABAAAAAAAAAAAAAAAAAAAAAAAAAAAAAAAAAAAAAAAAAAAAAAAAAAAAAAAAAAAAAAAAAAAAAAAAAAAAAAAAAAAAAAAAAAAAAAAAAAAAAAAAAAAAAAAAAAAAAFAAAADwAAAAAAAAAAAAAAAAAAAkUAAAAAQAAABQAAAAUAAAAFAAAAAEAAAAAAAAAZAAAAGQAAAAAAAAAZAAAAGQAAAAVAAAAYAAAAAAAAAAAAAAADwAAACADAAAAAAAAAAAAAAEAAACgMgAAVgcAAKr4//8BAAAAf39/AAEAAABkAAAAAAAAABQAAABAHwAAAAAAACYAAAAAAAAAwOD//wAAAAAmAAAAZAAAABYAAABMAAAAAAAAAAAAAAAEAAAAAAAAAAEAAACAgIAKAAAAACgAAAAoAAAAZAAAAGQAAAAAAAAAzMzMAAAAAABQAAAAUAAAAGQAAABkAAAAAAAAABcAAAAUAAAAAAAAANwIAAD/fwAA/38AAAAAAAAJAAAABAAAAAAAAAAMAAAAEAAAAAAAAAAAAAAAAAAAAAAAAAAeAAAAaAAAAAAAAAAAAAAAAAAAAAAAAAAAAAAAECcAABAnAAAAAAAAAAAAAAAAAAAAAAAAAAAAAAAAAAAAAAAAAAAAABQAAAAAAAAAwMD/AAAAAABkAAAAMgAAAAAAAABkAAAAAAAAAH9/fwAKAAAAHwAAAFQAAAC74OMF////AQAAAAAAAAAAAAAAAAAAAAAAAAAAAAAAAAAAAAAAAAAAAAAAAn9/fwCAgIADzMzMAMDA/wB/f38AAAAAAAAAAAAAAAAAAAAAAAAAAAAhAAAAGAAAABQAAAADGgAA5woAAHUeAAB3DgAAECAAACYAAAAIAAAA//////////8="/>
               </a:ext>
             </a:extLst>
           </p:cNvSpPr>
@@ -9918,7 +9918,7 @@
           <p:cNvSpPr txBox="1">
             <a:extLst>
               <a:ext uri="smNativeData">
-                <pr:smNativeData xmlns:pr="smNativeData" val="SMDATA_13_IrKAXRMAAAAlAAAAEgAAAE8BAAAAkAAAAEgAAACQAAAASAAAAAAAAAAAAAAAAAAAAAEAAABQAAAAAAAAAAAA4D8AAAAAAADgPwAAAAAAAOA/AAAAAAAA4D8AAAAAAADgPwAAAAAAAOA/AAAAAAAA4D8AAAAAAADgPwAAAAAAAOA/AAAAAAAA4D8CAAAAjAAAAAAAAAAAAAAAu+DjDP///wgAAAAAAAAAAAAAAAAAAAAAAAAAAAAAAAAAAAAAZAAAAAEAAABAAAAAAAAAAAAAAAAAAAAAAAAAAAAAAAAAAAAAAAAAAAAAAAAAAAAAAAAAAAAAAAAAAAAAAAAAAAAAAAAAAAAAAAAAAAAAAAAAAAAAAAAAAAAAAAAAAAAAFAAAADwAAAAAAAAAAAAAAAAAAAkUAAAAAQAAABQAAAAUAAAAFAAAAAEAAAAAAAAAZAAAAGQAAAAAAAAAZAAAAGQAAAAVAAAAYAAAAAAAAAAAAAAADwAAACADAAAAAAAAAAAAAAEAAACgMgAAVgcAAKr4//8BAAAAf39/AAEAAABkAAAAAAAAABQAAABAHwAAAAAAACYAAAAAAAAAwOD//wAAAAAmAAAAZAAAABYAAABMAAAAAAAAAAAAAAAEAAAAAAAAAAEAAACAgIAKAAAAACgAAAAoAAAAZAAAAGQAAAAAAAAAzMzMAAAAAABQAAAAUAAAAGQAAABkAAAAAAAAABcAAAAUAAAAAAAAANwIAAD/fwAA/38AAAAAAAAJAAAABAAAAAAAAAAMAAAAEAAAAAAAAAAAAAAAAAAAAAAAAAAeAAAAaAAAAAAAAAAAAAAAAAAAAAAAAAAAAAAAECcAABAnAAAAAAAAAAAAAAAAAAAAAAAAAAAAAAAAAAAAAAAAAAAAABQAAAAAAAAAwMD/AAAAAABkAAAAMgAAAAAAAABkAAAAAAAAAH9/fwAKAAAAHwAAAFQAAAC74OMF////AQAAAAAAAAAAAAAAAAAAAAAAAAAAAAAAAAAAAAAAAAAAAAAAAn9/fwCAgIADzMzMAMDA/wB/f38AAAAAAAAAAAAAAAAAAAAAAAAAAAAhAAAAGAAAABQAAAB6CwAADhUAABkSAADeFwAAECAAACYAAAAIAAAA//////////8="/>
+                <pr:smNativeData xmlns:pr="smNativeData" val="SMDATA_13_gcGAXRMAAAAlAAAAEgAAAE8BAAAAkAAAAEgAAACQAAAASAAAAAAAAAAAAAAAAAAAAAEAAABQAAAAAAAAAAAA4D8AAAAAAADgPwAAAAAAAOA/AAAAAAAA4D8AAAAAAADgPwAAAAAAAOA/AAAAAAAA4D8AAAAAAADgPwAAAAAAAOA/AAAAAAAA4D8CAAAAjAAAAAAAAAAAAAAAu+DjDP///wgAAAAAAAAAAAAAAAAAAAAAAAAAAAAAAAAAAAAAZAAAAAEAAABAAAAAAAAAAAAAAAAAAAAAAAAAAAAAAAAAAAAAAAAAAAAAAAAAAAAAAAAAAAAAAAAAAAAAAAAAAAAAAAAAAAAAAAAAAAAAAAAAAAAAAAAAAAAAAAAAAAAAFAAAADwAAAAAAAAAAAAAAAAAAAkUAAAAAQAAABQAAAAUAAAAFAAAAAEAAAAAAAAAZAAAAGQAAAAAAAAAZAAAAGQAAAAVAAAAYAAAAAAAAAAAAAAADwAAACADAAAAAAAAAAAAAAEAAACgMgAAVgcAAKr4//8BAAAAf39/AAEAAABkAAAAAAAAABQAAABAHwAAAAAAACYAAAAAAAAAwOD//wAAAAAmAAAAZAAAABYAAABMAAAAAAAAAAAAAAAEAAAAAAAAAAEAAACAgIAKAAAAACgAAAAoAAAAZAAAAGQAAAAAAAAAzMzMAAAAAABQAAAAUAAAAGQAAABkAAAAAAAAABcAAAAUAAAAAAAAANwIAAD/fwAA/38AAAAAAAAJAAAABAAAAAAAAAAMAAAAEAAAAAAAAAAAAAAAAAAAAAAAAAAeAAAAaAAAAAAAAAAAAAAAAAAAAAAAAAAAAAAAECcAABAnAAAAAAAAAAAAAAAAAAAAAAAAAAAAAAAAAAAAAAAAAAAAABQAAAAAAAAAwMD/AAAAAABkAAAAMgAAAAAAAABkAAAAAAAAAH9/fwAKAAAAHwAAAFQAAAC74OMF////AQAAAAAAAAAAAAAAAAAAAAAAAAAAAAAAAAAAAAAAAAAAAAAAAn9/fwCAgIADzMzMAMDA/wB/f38AAAAAAAAAAAAAAAAAAAAAAAAAAAAhAAAAGAAAABQAAAB6CwAADhUAABkSAADeFwAAECAAACYAAAAIAAAA//////////8="/>
               </a:ext>
             </a:extLst>
           </p:cNvSpPr>
@@ -9979,7 +9979,7 @@
           <p:cNvSpPr txBox="1">
             <a:extLst>
               <a:ext uri="smNativeData">
-                <pr:smNativeData xmlns:pr="smNativeData" val="SMDATA_13_IrKAXRMAAAAlAAAAEgAAAE8BAAAAkAAAAEgAAACQAAAASAAAAAAAAAAAAAAAAAAAAAEAAABQAAAAAAAAAAAA4D8AAAAAAADgPwAAAAAAAOA/AAAAAAAA4D8AAAAAAADgPwAAAAAAAOA/AAAAAAAA4D8AAAAAAADgPwAAAAAAAOA/AAAAAAAA4D8CAAAAjAAAAAAAAAAAAAAAu+DjDP///wgAAAAAAAAAAAAAAAAAAAAAAAAAAAAAAAAAAAAAZAAAAAEAAABAAAAAAAAAAAAAAAAAAAAAAAAAAAAAAAAAAAAAAAAAAAAAAAAAAAAAAAAAAAAAAAAAAAAAAAAAAAAAAAAAAAAAAAAAAAAAAAAAAAAAAAAAAAAAAAAAAAAAFAAAADwAAAAAAAAAAAAAAAAAAAkUAAAAAQAAABQAAAAUAAAAFAAAAAEAAAAAAAAAZAAAAGQAAAAAAAAAZAAAAGQAAAAVAAAAYAAAAAAAAAAAAAAADwAAACADAAAAAAAAAAAAAAEAAACgMgAAVgcAAKr4//8BAAAAf39/AAEAAABkAAAAAAAAABQAAABAHwAAAAAAACYAAAAAAAAAwOD//wAAAAAmAAAAZAAAABYAAABMAAAAAAAAAAAAAAAEAAAAAAAAAAEAAACAgIAKAAAAACgAAAAoAAAAZAAAAGQAAAAAAAAAzMzMAAAAAABQAAAAUAAAAGQAAABkAAAAAAAAABcAAAAUAAAAAAAAANwIAAD/fwAA/38AAAAAAAAJAAAABAAAAAIAAAAMAAAAEAAAAAAAAAAAAAAAAAAAAAAAAAAeAAAAaAAAAAAAAAAAAAAAAAAAAAAAAAAAAAAAECcAABAnAAAAAAAAAAAAAAAAAAAAAAAAAAAAAAAAAAAAAAAAAAAAABQAAAAAAAAAwMD/AAAAAABkAAAAMgAAAAAAAABkAAAAAAAAAH9/fwAKAAAAHwAAAFQAAAC74OMF////AQAAAAAAAAAAAAAAAAAAAAAAAAAAAAAAAAAAAAAAAAAAAAAAAn9/fwCAgIADzMzMAMDA/wB/f38AAAAAAAAAAAAAAAAAAAAAAAAAAAAhAAAAGAAAABQAAAB6CwAA+iQAABkSAACqJgAAECAAACYAAAAIAAAA//////////8="/>
+                <pr:smNativeData xmlns:pr="smNativeData" val="SMDATA_13_gcGAXRMAAAAlAAAAEgAAAE8BAAAAkAAAAEgAAACQAAAASAAAAAAAAAAAAAAAAAAAAAEAAABQAAAAAAAAAAAA4D8AAAAAAADgPwAAAAAAAOA/AAAAAAAA4D8AAAAAAADgPwAAAAAAAOA/AAAAAAAA4D8AAAAAAADgPwAAAAAAAOA/AAAAAAAA4D8CAAAAjAAAAAAAAAAAAAAAu+DjDP///wgAAAAAAAAAAAAAAAAAAAAAAAAAAAAAAAAAAAAAZAAAAAEAAABAAAAAAAAAAAAAAAAAAAAAAAAAAAAAAAAAAAAAAAAAAAAAAAAAAAAAAAAAAAAAAAAAAAAAAAAAAAAAAAAAAAAAAAAAAAAAAAAAAAAAAAAAAAAAAAAAAAAAFAAAADwAAAAAAAAAAAAAAAAAAAkUAAAAAQAAABQAAAAUAAAAFAAAAAEAAAAAAAAAZAAAAGQAAAAAAAAAZAAAAGQAAAAVAAAAYAAAAAAAAAAAAAAADwAAACADAAAAAAAAAAAAAAEAAACgMgAAVgcAAKr4//8BAAAAf39/AAEAAABkAAAAAAAAABQAAABAHwAAAAAAACYAAAAAAAAAwOD//wAAAAAmAAAAZAAAABYAAABMAAAAAAAAAAAAAAAEAAAAAAAAAAEAAACAgIAKAAAAACgAAAAoAAAAZAAAAGQAAAAAAAAAzMzMAAAAAABQAAAAUAAAAGQAAABkAAAAAAAAABcAAAAUAAAAAAAAANwIAAD/fwAA/38AAAAAAAAJAAAABAAAAAIAAAAMAAAAEAAAAAAAAAAAAAAAAAAAAAAAAAAeAAAAaAAAAAAAAAAAAAAAAAAAAAAAAAAAAAAAECcAABAnAAAAAAAAAAAAAAAAAAAAAAAAAAAAAAAAAAAAAAAAAAAAABQAAAAAAAAAwMD/AAAAAABkAAAAMgAAAAAAAABkAAAAAAAAAH9/fwAKAAAAHwAAAFQAAAC74OMF////AQAAAAAAAAAAAAAAAAAAAAAAAAAAAAAAAAAAAAAAAAAAAAAAAn9/fwCAgIADzMzMAMDA/wB/f38AAAAAAAAAAAAAAAAAAAAAAAAAAAAhAAAAGAAAABQAAAB6CwAA+iQAABkSAACqJgAAECAAACYAAAAIAAAA//////////8="/>
               </a:ext>
             </a:extLst>
           </p:cNvSpPr>
@@ -10025,7 +10025,7 @@
           <p:cNvSpPr txBox="1">
             <a:extLst>
               <a:ext uri="smNativeData">
-                <pr:smNativeData xmlns:pr="smNativeData" val="SMDATA_13_IrKAXRMAAAAlAAAAEgAAAE8BAAAAkAAAAEgAAACQAAAASAAAAAAAAAAAAAAAAAAAAAEAAABQAAAAAAAAAAAA4D8AAAAAAADgPwAAAAAAAOA/AAAAAAAA4D8AAAAAAADgPwAAAAAAAOA/AAAAAAAA4D8AAAAAAADgPwAAAAAAAOA/AAAAAAAA4D8CAAAAjAAAAAAAAAAAAAAAu+DjDP///wgAAAAAAAAAAAAAAAAAAAAAAAAAAAAAAAAAAAAAZAAAAAEAAABAAAAAAAAAAAAAAAAAAAAAAAAAAAAAAAAAAAAAAAAAAAAAAAAAAAAAAAAAAAAAAAAAAAAAAAAAAAAAAAAAAAAAAAAAAAAAAAAAAAAAAAAAAAAAAAAAAAAAFAAAADwAAAAAAAAAAAAAAAAAAAkUAAAAAQAAABQAAAAUAAAAFAAAAAEAAAAAAAAAZAAAAGQAAAAAAAAAZAAAAGQAAAAVAAAAYAAAAAAAAAAAAAAADwAAACADAAAAAAAAAAAAAAEAAACgMgAAVgcAAKr4//8BAAAAf39/AAEAAABkAAAAAAAAABQAAABAHwAAAAAAACYAAAAAAAAAwOD//wAAAAAmAAAAZAAAABYAAABMAAAAAAAAAAAAAAAEAAAAAAAAAAEAAACAgIAKAAAAACgAAAAoAAAAZAAAAGQAAAAAAAAAzMzMAAAAAABQAAAAUAAAAGQAAABkAAAAAAAAABcAAAAUAAAAAAAAANwIAAD/fwAA/38AAAAAAAAJAAAABAAAAAIAAAAMAAAAEAAAAAAAAAAAAAAAAAAAAAAAAAAeAAAAaAAAAAAAAAAAAAAAAAAAAAAAAAAAAAAAECcAABAnAAAAAAAAAAAAAAAAAAAAAAAAAAAAAAAAAAAAAAAAAAAAABQAAAAAAAAAwMD/AAAAAABkAAAAMgAAAAAAAABkAAAAAAAAAH9/fwAKAAAAHwAAAFQAAAC74OMF////AQAAAAAAAAAAAAAAAAAAAAAAAAAAAAAAAAAAAAAAAAAAAAAAAn9/fwCAgIADzMzMAMDA/wB/f38AAAAAAAAAAAAAAAAAAAAAAAAAAAAhAAAAGAAAABQAAAD9IQAAkgsAAJwoAABCDQAAECAAACYAAAAIAAAA//////////8="/>
+                <pr:smNativeData xmlns:pr="smNativeData" val="SMDATA_13_gcGAXRMAAAAlAAAAEgAAAE8BAAAAkAAAAEgAAACQAAAASAAAAAAAAAAAAAAAAAAAAAEAAABQAAAAAAAAAAAA4D8AAAAAAADgPwAAAAAAAOA/AAAAAAAA4D8AAAAAAADgPwAAAAAAAOA/AAAAAAAA4D8AAAAAAADgPwAAAAAAAOA/AAAAAAAA4D8CAAAAjAAAAAAAAAAAAAAAu+DjDP///wgAAAAAAAAAAAAAAAAAAAAAAAAAAAAAAAAAAAAAZAAAAAEAAABAAAAAAAAAAAAAAAAAAAAAAAAAAAAAAAAAAAAAAAAAAAAAAAAAAAAAAAAAAAAAAAAAAAAAAAAAAAAAAAAAAAAAAAAAAAAAAAAAAAAAAAAAAAAAAAAAAAAAFAAAADwAAAAAAAAAAAAAAAAAAAkUAAAAAQAAABQAAAAUAAAAFAAAAAEAAAAAAAAAZAAAAGQAAAAAAAAAZAAAAGQAAAAVAAAAYAAAAAAAAAAAAAAADwAAACADAAAAAAAAAAAAAAEAAACgMgAAVgcAAKr4//8BAAAAf39/AAEAAABkAAAAAAAAABQAAABAHwAAAAAAACYAAAAAAAAAwOD//wAAAAAmAAAAZAAAABYAAABMAAAAAAAAAAAAAAAEAAAAAAAAAAEAAACAgIAKAAAAACgAAAAoAAAAZAAAAGQAAAAAAAAAzMzMAAAAAABQAAAAUAAAAGQAAABkAAAAAAAAABcAAAAUAAAAAAAAANwIAAD/fwAA/38AAAAAAAAJAAAABAAAAAIAAAAMAAAAEAAAAAAAAAAAAAAAAAAAAAAAAAAeAAAAaAAAAAAAAAAAAAAAAAAAAAAAAAAAAAAAECcAABAnAAAAAAAAAAAAAAAAAAAAAAAAAAAAAAAAAAAAAAAAAAAAABQAAAAAAAAAwMD/AAAAAABkAAAAMgAAAAAAAABkAAAAAAAAAH9/fwAKAAAAHwAAAFQAAAC74OMF////AQAAAAAAAAAAAAAAAAAAAAAAAAAAAAAAAAAAAAAAAAAAAAAAAn9/fwCAgIADzMzMAMDA/wB/f38AAAAAAAAAAAAAAAAAAAAAAAAAAAAhAAAAGAAAABQAAAD9IQAAkgsAAJwoAABCDQAAECAAACYAAAAIAAAA//////////8="/>
               </a:ext>
             </a:extLst>
           </p:cNvSpPr>
@@ -10071,7 +10071,7 @@
           <p:cNvSpPr txBox="1">
             <a:extLst>
               <a:ext uri="smNativeData">
-                <pr:smNativeData xmlns:pr="smNativeData" val="SMDATA_13_IrKAXRMAAAAlAAAAEgAAAE8BAAAAkAAAAEgAAACQAAAASAAAAAAAAAAAAAAAAAAAAAEAAABQAAAAAAAAAAAA4D8AAAAAAADgPwAAAAAAAOA/AAAAAAAA4D8AAAAAAADgPwAAAAAAAOA/AAAAAAAA4D8AAAAAAADgPwAAAAAAAOA/AAAAAAAA4D8CAAAAjAAAAAAAAAAAAAAAu+DjDP///wgAAAAAAAAAAAAAAAAAAAAAAAAAAAAAAAAAAAAAZAAAAAEAAABAAAAAAAAAAAAAAAAAAAAAAAAAAAAAAAAAAAAAAAAAAAAAAAAAAAAAAAAAAAAAAAAAAAAAAAAAAAAAAAAAAAAAAAAAAAAAAAAAAAAAAAAAAAAAAAAAAAAAFAAAADwAAAAAAAAAAAAAAAAAAAkUAAAAAQAAABQAAAAUAAAAFAAAAAEAAAAAAAAAZAAAAGQAAAAAAAAAZAAAAGQAAAAVAAAAYAAAAAAAAAAAAAAADwAAACADAAAAAAAAAAAAAAEAAACgMgAAVgcAAKr4//8BAAAAf39/AAEAAABkAAAAAAAAABQAAABAHwAAAAAAACYAAAAAAAAAwOD//wAAAAAmAAAAZAAAABYAAABMAAAAAAAAAAAAAAAEAAAAAAAAAAEAAACAgIAKAAAAACgAAAAoAAAAZAAAAGQAAAAAAAAAzMzMAAAAAABQAAAAUAAAAGQAAABkAAAAAAAAABcAAAAUAAAAAAAAANwIAAD/fwAA/38AAAAAAAAJAAAABAAAAAAAAAAMAAAAEAAAAAAAAAAAAAAAAAAAAAAAAAAeAAAAaAAAAAAAAAAAAAAAAAAAAAAAAAAAAAAAECcAABAnAAAAAAAAAAAAAAAAAAAAAAAAAAAAAAAAAAAAAAAAAAAAABQAAAAAAAAAwMD/AAAAAABkAAAAMgAAAAAAAABkAAAAAAAAAH9/fwAKAAAAHwAAAFQAAAC74OMF////AQAAAAAAAAAAAAAAAAAAAAAAAAAAAAAAAAAAAAAAAAAAAAAAAn9/fwCAgIADzMzMAMDA/wB/f38AAAAAAAAAAAAAAAAAAAAAAAAAAAAhAAAAGAAAABQAAAD7EgAAyg8AAJoZAADaEQAAECAAACYAAAAIAAAA//////////8="/>
+                <pr:smNativeData xmlns:pr="smNativeData" val="SMDATA_13_gcGAXRMAAAAlAAAAEgAAAE8BAAAAkAAAAEgAAACQAAAASAAAAAAAAAAAAAAAAAAAAAEAAABQAAAAAAAAAAAA4D8AAAAAAADgPwAAAAAAAOA/AAAAAAAA4D8AAAAAAADgPwAAAAAAAOA/AAAAAAAA4D8AAAAAAADgPwAAAAAAAOA/AAAAAAAA4D8CAAAAjAAAAAAAAAAAAAAAu+DjDP///wgAAAAAAAAAAAAAAAAAAAAAAAAAAAAAAAAAAAAAZAAAAAEAAABAAAAAAAAAAAAAAAAAAAAAAAAAAAAAAAAAAAAAAAAAAAAAAAAAAAAAAAAAAAAAAAAAAAAAAAAAAAAAAAAAAAAAAAAAAAAAAAAAAAAAAAAAAAAAAAAAAAAAFAAAADwAAAAAAAAAAAAAAAAAAAkUAAAAAQAAABQAAAAUAAAAFAAAAAEAAAAAAAAAZAAAAGQAAAAAAAAAZAAAAGQAAAAVAAAAYAAAAAAAAAAAAAAADwAAACADAAAAAAAAAAAAAAEAAACgMgAAVgcAAKr4//8BAAAAf39/AAEAAABkAAAAAAAAABQAAABAHwAAAAAAACYAAAAAAAAAwOD//wAAAAAmAAAAZAAAABYAAABMAAAAAAAAAAAAAAAEAAAAAAAAAAEAAACAgIAKAAAAACgAAAAoAAAAZAAAAGQAAAAAAAAAzMzMAAAAAABQAAAAUAAAAGQAAABkAAAAAAAAABcAAAAUAAAAAAAAANwIAAD/fwAA/38AAAAAAAAJAAAABAAAAAAAAAAMAAAAEAAAAAAAAAAAAAAAAAAAAAAAAAAeAAAAaAAAAAAAAAAAAAAAAAAAAAAAAAAAAAAAECcAABAnAAAAAAAAAAAAAAAAAAAAAAAAAAAAAAAAAAAAAAAAAAAAABQAAAAAAAAAwMD/AAAAAABkAAAAMgAAAAAAAABkAAAAAAAAAH9/fwAKAAAAHwAAAFQAAAC74OMF////AQAAAAAAAAAAAAAAAAAAAAAAAAAAAAAAAAAAAAAAAAAAAAAAAn9/fwCAgIADzMzMAMDA/wB/f38AAAAAAAAAAAAAAAAAAAAAAAAAAAAhAAAAGAAAABQAAAD7EgAAyg8AAJoZAADaEQAAECAAACYAAAAIAAAA//////////8="/>
               </a:ext>
             </a:extLst>
           </p:cNvSpPr>
@@ -10117,7 +10117,7 @@
           <p:cNvSpPr txBox="1">
             <a:extLst>
               <a:ext uri="smNativeData">
-                <pr:smNativeData xmlns:pr="smNativeData" val="SMDATA_13_IrKAXRMAAAAlAAAAEgAAAE8BAAAAkAAAAEgAAACQAAAASAAAAAAAAAAAAAAAAAAAAAEAAABQAAAAAAAAAAAA4D8AAAAAAADgPwAAAAAAAOA/AAAAAAAA4D8AAAAAAADgPwAAAAAAAOA/AAAAAAAA4D8AAAAAAADgPwAAAAAAAOA/AAAAAAAA4D8CAAAAjAAAAAAAAAAAAAAAu+DjDP///wgAAAAAAAAAAAAAAAAAAAAAAAAAAAAAAAAAAAAAZAAAAAEAAABAAAAAAAAAAAAAAAAAAAAAAAAAAAAAAAAAAAAAAAAAAAAAAAAAAAAAAAAAAAAAAAAAAAAAAAAAAAAAAAAAAAAAAAAAAAAAAAAAAAAAAAAAAAAAAAAAAAAAFAAAADwAAAAAAAAAAAAAAAAAAAkUAAAAAQAAABQAAAAUAAAAFAAAAAEAAAAAAAAAZAAAAGQAAAAAAAAAZAAAAGQAAAAVAAAAYAAAAAAAAAAAAAAADwAAACADAAAAAAAAAAAAAAEAAACgMgAAVgcAAKr4//8BAAAAf39/AAEAAABkAAAAAAAAABQAAABAHwAAAAAAACYAAAAAAAAAwOD//wAAAAAmAAAAZAAAABYAAABMAAAAAAAAAAAAAAAEAAAAAAAAAAEAAACAgIAKAAAAACgAAAAoAAAAZAAAAGQAAAAAAAAAzMzMAAAAAABQAAAAUAAAAGQAAABkAAAAAAAAABcAAAAUAAAAAAAAANwIAAD/fwAA/38AAAAAAAAJAAAABAAAAAAAAAAMAAAAEAAAAAAAAAAAAAAAAAAAAAAAAAAeAAAAaAAAAAAAAAAAAAAAAAAAAAAAAAAAAAAAECcAABAnAAAAAAAAAAAAAAAAAAAAAAAAAAAAAAAAAAAAAAAAAAAAABQAAAAAAAAAwMD/AAAAAABkAAAAMgAAAAAAAABkAAAAAAAAAH9/fwAKAAAAHwAAAFQAAAC74OMF////AQAAAAAAAAAAAAAAAAAAAAAAAAAAAAAAAAAAAAAAAAAAAAAAAn9/fwCAgIADzMzMAMDA/wB/f38AAAAAAAAAAAAAAAAAAAAAAAAAAAAhAAAAGAAAABQAAADqGAAA0RAAAIkfAADhEgAAECAAACYAAAAIAAAA//////////8="/>
+                <pr:smNativeData xmlns:pr="smNativeData" val="SMDATA_13_gcGAXRMAAAAlAAAAEgAAAE8BAAAAkAAAAEgAAACQAAAASAAAAAAAAAAAAAAAAAAAAAEAAABQAAAAAAAAAAAA4D8AAAAAAADgPwAAAAAAAOA/AAAAAAAA4D8AAAAAAADgPwAAAAAAAOA/AAAAAAAA4D8AAAAAAADgPwAAAAAAAOA/AAAAAAAA4D8CAAAAjAAAAAAAAAAAAAAAu+DjDP///wgAAAAAAAAAAAAAAAAAAAAAAAAAAAAAAAAAAAAAZAAAAAEAAABAAAAAAAAAAAAAAAAAAAAAAAAAAAAAAAAAAAAAAAAAAAAAAAAAAAAAAAAAAAAAAAAAAAAAAAAAAAAAAAAAAAAAAAAAAAAAAAAAAAAAAAAAAAAAAAAAAAAAFAAAADwAAAAAAAAAAAAAAAAAAAkUAAAAAQAAABQAAAAUAAAAFAAAAAEAAAAAAAAAZAAAAGQAAAAAAAAAZAAAAGQAAAAVAAAAYAAAAAAAAAAAAAAADwAAACADAAAAAAAAAAAAAAEAAACgMgAAVgcAAKr4//8BAAAAf39/AAEAAABkAAAAAAAAABQAAABAHwAAAAAAACYAAAAAAAAAwOD//wAAAAAmAAAAZAAAABYAAABMAAAAAAAAAAAAAAAEAAAAAAAAAAEAAACAgIAKAAAAACgAAAAoAAAAZAAAAGQAAAAAAAAAzMzMAAAAAABQAAAAUAAAAGQAAABkAAAAAAAAABcAAAAUAAAAAAAAANwIAAD/fwAA/38AAAAAAAAJAAAABAAAAAAAAAAMAAAAEAAAAAAAAAAAAAAAAAAAAAAAAAAeAAAAaAAAAAAAAAAAAAAAAAAAAAAAAAAAAAAAECcAABAnAAAAAAAAAAAAAAAAAAAAAAAAAAAAAAAAAAAAAAAAAAAAABQAAAAAAAAAwMD/AAAAAABkAAAAMgAAAAAAAABkAAAAAAAAAH9/fwAKAAAAHwAAAFQAAAC74OMF////AQAAAAAAAAAAAAAAAAAAAAAAAAAAAAAAAAAAAAAAAAAAAAAAAn9/fwCAgIADzMzMAMDA/wB/f38AAAAAAAAAAAAAAAAAAAAAAAAAAAAhAAAAGAAAABQAAADqGAAA0RAAAIkfAADhEgAAECAAACYAAAAIAAAA//////////8="/>
               </a:ext>
             </a:extLst>
           </p:cNvSpPr>
@@ -10163,7 +10163,7 @@
           <p:cNvSpPr>
             <a:extLst>
               <a:ext uri="smNativeData">
-                <pr:smNativeData xmlns:pr="smNativeData" val="SMDATA_13_IrKAXRMAAAAlAAAAZAAAAA8BAAAAkAAAAEgAAACQAAAASAAAAAAAAAAAAAAAAAAAAAEAAABQAAAAAAAAAAAA4D8AAAAAAADgPwAAAAAAAOA/AAAAAAAA4D8AAAAAAADgPwAAAAAAAOA/AAAAAAAA4D8AAAAAAADgPwAAAAAAAOA/AAAAAAAA4D8CAAAAjAAAAAEAAAAAAAAAHh4eAP///wgAAAAAAAAAAAAAAAAAAAAAAAAAAAAAAAAAAAAAZAAAAAEAAABAAAAAAAAAAAAAAAAAAAAAAAAAAAAAAAAAAAAAAAAAAAAAAAAAAAAAAAAAAAAAAAAAAAAAAAAAAAAAAAAAAAAAAAAAAAAAAAAAAAAAAAAAAAAAAAAAAAAAFAAAADwAAAAAAAAAAAAAAAAAAAkAAAAAAQAAAAAAAAAAAAAAAAAAAAAAAAAAAAAAZAAAAGQAAAAAAAAAZAAAAGQAAAAVAAAAYAAAAAAAAAAAAAAADwAAACADAAAAAAAAAAAAAAEAAACgMgAAAAAAAAAAAAABAAAAf39/AAEAAABkAAAAAAAAABQAAABAHwAAAAAAACYAAAAAAAAAwOD//wAAAAAmAAAAZAAAABYAAABMAAAAAAAAAAAAAAAEAAAAAAAAAAEAAACAgIAKAAAAACgAAAAoAAAAZAAAAGQAAAAAAAAAzMzMAAAAAABQAAAAUAAAAGQAAABkAAAAAAAAABcAAAAUAAAAAAAAAAAAAAD/fwAA/38AAAAAAAAJAAAABAAAAHlsZT4MAAAAEAAAAAAAAAAAAAAAAAAAAAAAAAAeAAAAaAAAAAAAAAAAAAAAAAAAAAAAAAAAAAAAECcAABAnAAAAAAAAAAAAAAAAAAAAAAAAAAAAAAAAAAAAAAAAAAAAABQAAAAAAAAAwMD/AAAAAABkAAAAMgAAAAAAAABkAAAAAAAAAH9/fwAKAAAAHwAAAFQAAAAeHh4A////AQAAAAAAAAAAAAAAAAAAAAAAAAAAAAAAAAAAAAAAAAAAAAAAAn9/fwCAgIADzMzMAMDA/wB/f38AAAAAAAAAAAAAAAAAAAAAAAAAAAAhAAAAGAAAABQAAAAAAAAAZQcAAEA4AAC4CAAAEAAAACYAAAAIAAAA//////////8="/>
+                <pr:smNativeData xmlns:pr="smNativeData" val="SMDATA_13_gcGAXRMAAAAlAAAAZAAAAA8BAAAAkAAAAEgAAACQAAAASAAAAAAAAAAAAAAAAAAAAAEAAABQAAAAAAAAAAAA4D8AAAAAAADgPwAAAAAAAOA/AAAAAAAA4D8AAAAAAADgPwAAAAAAAOA/AAAAAAAA4D8AAAAAAADgPwAAAAAAAOA/AAAAAAAA4D8CAAAAjAAAAAEAAAAAAAAAHh4eAP///wgAAAAAAAAAAAAAAAAAAAAAAAAAAAAAAAAAAAAAZAAAAAEAAABAAAAAAAAAAAAAAAAAAAAAAAAAAAAAAAAAAAAAAAAAAAAAAAAAAAAAAAAAAAAAAAAAAAAAAAAAAAAAAAAAAAAAAAAAAAAAAAAAAAAAAAAAAAAAAAAAAAAAFAAAADwAAAAAAAAAAAAAAAAAAAkAAAAAAQAAAAAAAAAAAAAAAAAAAAAAAAAAAAAAZAAAAGQAAAAAAAAAZAAAAGQAAAAVAAAAYAAAAAAAAAAAAAAADwAAACADAAAAAAAAAAAAAAEAAACgMgAAAAAAAAAAAAABAAAAf39/AAEAAABkAAAAAAAAABQAAABAHwAAAAAAACYAAAAAAAAAwOD//wAAAAAmAAAAZAAAABYAAABMAAAAAAAAAAAAAAAEAAAAAAAAAAEAAACAgIAKAAAAACgAAAAoAAAAZAAAAGQAAAAAAAAAzMzMAAAAAABQAAAAUAAAAGQAAABkAAAAAAAAABcAAAAUAAAAAAAAAAAAAAD/fwAA/38AAAAAAAAJAAAABAAAAHlsZT4MAAAAEAAAAAAAAAAAAAAAAAAAAAAAAAAeAAAAaAAAAAAAAAAAAAAAAAAAAAAAAAAAAAAAECcAABAnAAAAAAAAAAAAAAAAAAAAAAAAAAAAAAAAAAAAAAAAAAAAABQAAAAAAAAAwMD/AAAAAABkAAAAMgAAAAAAAABkAAAAAAAAAH9/fwAKAAAAHwAAAFQAAAAeHh4A////AQAAAAAAAAAAAAAAAAAAAAAAAAAAAAAAAAAAAAAAAAAAAAAAAn9/fwCAgIADzMzMAMDA/wB/f38AAAAAAAAAAAAAAAAAAAAAAAAAAAAhAAAAGAAAABQAAAAAAAAAZQcAAEA4AAC4CAAAEAAAACYAAAAIAAAA//////////8="/>
               </a:ext>
             </a:extLst>
           </p:cNvSpPr>
@@ -10232,7 +10232,7 @@
           <p:cNvSpPr>
             <a:extLst>
               <a:ext uri="smNativeData">
-                <pr:smNativeData xmlns:pr="smNativeData" val="SMDATA_13_IrKAXRMAAAAlAAAAZAAAAA8BAAAAkAAAAEgAAACQAAAASAAAAAAAAAABAAAAAAAAAAEAAABQAAAAAAAAAAAA4D8AAAAAAADgPwAAAAAAAOA/AAAAAAAA4D8AAAAAAADgPwAAAAAAAOA/AAAAAAAA4D8AAAAAAADgPwAAAAAAAOA/AAAAAAAA4D8CAAAAjAAAAAAAAAAAAAAAu+DjDP///wgAAAAAAAAAAAAAAAAAAAAAAAAAAAAAAAAAAAAAZAAAAAEAAABAAAAAAAAAAAAAAAAAAAAAAAAAAAAAAAAAAAAAAAAAAAAAAAAAAAAAAAAAAAAAAAAAAAAAAAAAAAAAAAAAAAAAAAAAAAAAAAAAAAAAAAAAAAAAAAAAAAAAFAAAADwAAAAAAAAAAAAAAAAAAAkUAAAAAQAAABQAAAAUAAAAFAAAAAEAAAAAAAAAZAAAAGQAAAAAAAAAZAAAAGQAAAAVAAAAYAAAAAAAAAAAAAAADwAAACADAAAAAAAAAAAAAAEAAACgMgAAVgcAAKr4//8BAAAAf39/AAEAAABkAAAAAAAAABQAAABAHwAAAAAAACYAAAAAAAAAwOD//wAAAAAmAAAAZAAAABYAAABMAAAAAAAAAAAAAAAEAAAAAAAAAAEAAACAgIAKAAAAACgAAAAoAAAAZAAAAGQAAAAAAAAAzMzMAAAAAABQAAAAUAAAAGQAAABkAAAAAAAAABcAAAAUAAAAAAAAAAAAAAD/fwAA/38AAAAAAAAJAAAABAAAALsLAAAMAAAAEAAAAAAAAAAAAAAAAAAAAAAAAAAeAAAAaAAAAAAAAAAAAAAAAAAAAAAAAAAAAAAAECcAABAnAAAAAAAAAAAAAAAAAAAAAAAAAAAAAAAAAAAAAAAAAAAAABQAAAAAAAAAwMD/AAAAAABkAAAAMgAAAAAAAABkAAAAAAAAAH9/fwAKAAAAHwAAAFQAAAC74OMF////AQAAAAAAAAAAAAAAAAAAAAAAAAAAAAAAAAAAAAAAAAAAAAAAAn9/fwCAgIADzMzMAMDA/wB/f38AAAAAAAAAAAAAAAAAAAAAAAAAAAAhAAAAGAAAABQAAABqBAAAiAMAABY0AAAoBwAAEAAAACYAAAAIAAAA//////////8="/>
+                <pr:smNativeData xmlns:pr="smNativeData" val="SMDATA_13_gcGAXRMAAAAlAAAAZAAAAA8BAAAAkAAAAEgAAACQAAAASAAAAAAAAAABAAAAAAAAAAEAAABQAAAAAAAAAAAA4D8AAAAAAADgPwAAAAAAAOA/AAAAAAAA4D8AAAAAAADgPwAAAAAAAOA/AAAAAAAA4D8AAAAAAADgPwAAAAAAAOA/AAAAAAAA4D8CAAAAjAAAAAAAAAAAAAAAu+DjDP///wgAAAAAAAAAAAAAAAAAAAAAAAAAAAAAAAAAAAAAZAAAAAEAAABAAAAAAAAAAAAAAAAAAAAAAAAAAAAAAAAAAAAAAAAAAAAAAAAAAAAAAAAAAAAAAAAAAAAAAAAAAAAAAAAAAAAAAAAAAAAAAAAAAAAAAAAAAAAAAAAAAAAAFAAAADwAAAAAAAAAAAAAAAAAAAkUAAAAAQAAABQAAAAUAAAAFAAAAAEAAAAAAAAAZAAAAGQAAAAAAAAAZAAAAGQAAAAVAAAAYAAAAAAAAAAAAAAADwAAACADAAAAAAAAAAAAAAEAAACgMgAAVgcAAKr4//8BAAAAf39/AAEAAABkAAAAAAAAABQAAABAHwAAAAAAACYAAAAAAAAAwOD//wAAAAAmAAAAZAAAABYAAABMAAAAAAAAAAAAAAAEAAAAAAAAAAEAAACAgIAKAAAAACgAAAAoAAAAZAAAAGQAAAAAAAAAzMzMAAAAAABQAAAAUAAAAGQAAABkAAAAAAAAABcAAAAUAAAAAAAAAAAAAAD/fwAA/38AAAAAAAAJAAAABAAAALsLAAAMAAAAEAAAAAAAAAAAAAAAAAAAAAAAAAAeAAAAaAAAAAAAAAAAAAAAAAAAAAAAAAAAAAAAECcAABAnAAAAAAAAAAAAAAAAAAAAAAAAAAAAAAAAAAAAAAAAAAAAABQAAAAAAAAAwMD/AAAAAABkAAAAMgAAAAAAAABkAAAAAAAAAH9/fwAKAAAAHwAAAFQAAAC74OMF////AQAAAAAAAAAAAAAAAAAAAAAAAAAAAAAAAAAAAAAAAAAAAAAAAn9/fwCAgIADzMzMAMDA/wB/f38AAAAAAAAAAAAAAAAAAAAAAAAAAAAhAAAAGAAAABQAAABqBAAAiAMAABY0AAAoBwAAEAAAACYAAAAIAAAA//////////8="/>
               </a:ext>
             </a:extLst>
           </p:cNvSpPr>
@@ -10278,7 +10278,7 @@
           <p:cNvSpPr txBox="1">
             <a:extLst>
               <a:ext uri="smNativeData">
-                <pr:smNativeData xmlns:pr="smNativeData" val="SMDATA_13_IrKAXRMAAAAlAAAAEgAAAA8BAAAAkAAAAEgAAACQAAAASAAAAAAAAAAAAAAAAAAAAAEAAABQAAAAAAAAAAAA4D8AAAAAAADgPwAAAAAAAOA/AAAAAAAA4D8AAAAAAADgPwAAAAAAAOA/AAAAAAAA4D8AAAAAAADgPwAAAAAAAOA/AAAAAAAA4D8CAAAAjAAAAAAAAAAAAAAAu+DjDP///wgAAAAAAAAAAAAAAAAAAAAAAAAAAAAAAAAAAAAAZAAAAAEAAABAAAAAAAAAAAAAAAAAAAAAAAAAAAAAAAAAAAAAAAAAAAAAAAAAAAAAAAAAAAAAAAAAAAAAAAAAAAAAAAAAAAAAAAAAAAAAAAAAAAAAAAAAAAAAAAAAAAAAFAAAADwAAAAAAAAAAAAAAAAAAAkUAAAAAQAAABQAAAAUAAAAFAAAAAEAAAAAAAAAZAAAAGQAAAAAAAAAZAAAAGQAAAAVAAAAYAAAAAAAAAAAAAAADwAAACADAAAAAAAAAAAAAAEAAACgMgAAVgcAAKr4//8BAAAAf39/AAEAAABkAAAAAAAAABQAAABAHwAAAAAAACYAAAAAAAAAwOD//wAAAAAmAAAAZAAAABYAAABMAAAAAAAAAAAAAAAEAAAAAAAAAAEAAACAgIAKAAAAACgAAAAoAAAAZAAAAGQAAAAAAAAAzMzMAAAAAABQAAAAUAAAAGQAAABkAAAAAAAAABcAAAAUAAAAAAAAANwIAAD/fwAA/38AAAAAAAAJAAAABAAAAGYSAAAMAAAAEAAAAAAAAAAAAAAAAAAAAAAAAAAeAAAAaAAAAAAAAAAAAAAAAAAAAAAAAAAAAAAAECcAABAnAAAAAAAAAAAAAAAAAAAAAAAAAAAAAAAAAAAAAAAAAAAAABQAAAAAAAAAwMD/AAAAAABkAAAAMgAAAAAAAABkAAAAAAAAAH9/fwAKAAAAHwAAAFQAAAC74OMF////AQAAAAAAAAAAAAAAAAAAAAAAAAAAAAAAAAAAAAAAAAAAAAAAAn9/fwCAgIADzMzMAMDA/wB/f38AAAAAAAAAAAAAAAAAAAAAAAAAAAAhAAAAGAAAABQAAABqBAAA4QgAABY0AADBIwAAEAAAACYAAAAIAAAA//////////8="/>
+                <pr:smNativeData xmlns:pr="smNativeData" val="SMDATA_13_gcGAXRMAAAAlAAAAEgAAAA8BAAAAkAAAAEgAAACQAAAASAAAAAAAAAAAAAAAAAAAAAEAAABQAAAAAAAAAAAA4D8AAAAAAADgPwAAAAAAAOA/AAAAAAAA4D8AAAAAAADgPwAAAAAAAOA/AAAAAAAA4D8AAAAAAADgPwAAAAAAAOA/AAAAAAAA4D8CAAAAjAAAAAAAAAAAAAAAu+DjDP///wgAAAAAAAAAAAAAAAAAAAAAAAAAAAAAAAAAAAAAZAAAAAEAAABAAAAAAAAAAAAAAAAAAAAAAAAAAAAAAAAAAAAAAAAAAAAAAAAAAAAAAAAAAAAAAAAAAAAAAAAAAAAAAAAAAAAAAAAAAAAAAAAAAAAAAAAAAAAAAAAAAAAAFAAAADwAAAAAAAAAAAAAAAAAAAkUAAAAAQAAABQAAAAUAAAAFAAAAAEAAAAAAAAAZAAAAGQAAAAAAAAAZAAAAGQAAAAVAAAAYAAAAAAAAAAAAAAADwAAACADAAAAAAAAAAAAAAEAAACgMgAAVgcAAKr4//8BAAAAf39/AAEAAABkAAAAAAAAABQAAABAHwAAAAAAACYAAAAAAAAAwOD//wAAAAAmAAAAZAAAABYAAABMAAAAAAAAAAAAAAAEAAAAAAAAAAEAAACAgIAKAAAAACgAAAAoAAAAZAAAAGQAAAAAAAAAzMzMAAAAAABQAAAAUAAAAGQAAABkAAAAAAAAABcAAAAUAAAAAAAAANwIAAD/fwAA/38AAAAAAAAJAAAABAAAAGYSAAAMAAAAEAAAAAAAAAAAAAAAAAAAAAAAAAAeAAAAaAAAAAAAAAAAAAAAAAAAAAAAAAAAAAAAECcAABAnAAAAAAAAAAAAAAAAAAAAAAAAAAAAAAAAAAAAAAAAAAAAABQAAAAAAAAAwMD/AAAAAABkAAAAMgAAAAAAAABkAAAAAAAAAH9/fwAKAAAAHwAAAFQAAAC74OMF////AQAAAAAAAAAAAAAAAAAAAAAAAAAAAAAAAAAAAAAAAAAAAAAAAn9/fwCAgIADzMzMAMDA/wB/f38AAAAAAAAAAAAAAAAAAAAAAAAAAAAhAAAAGAAAABQAAABqBAAA4QgAABY0AADBIwAAEAAAACYAAAAIAAAA//////////8="/>
               </a:ext>
             </a:extLst>
           </p:cNvSpPr>
@@ -10482,7 +10482,7 @@
           <p:cNvSpPr>
             <a:extLst>
               <a:ext uri="smNativeData">
-                <pr:smNativeData xmlns:pr="smNativeData" val="SMDATA_13_IrKAXRMAAAAlAAAAZAAAAA8BAAAAkAAAAEgAAACQAAAASAAAAAAAAAAAAAAAAAAAAAEAAABQAAAAAAAAAAAA4D8AAAAAAADgPwAAAAAAAOA/AAAAAAAA4D8AAAAAAADgPwAAAAAAAOA/AAAAAAAA4D8AAAAAAADgPwAAAAAAAOA/AAAAAAAA4D8CAAAAjAAAAAEAAAAAAAAAHh4eAP///wgAAAAAAAAAAAAAAAAAAAAAAAAAAAAAAAAAAAAAZAAAAAEAAABAAAAAAAAAAAAAAAAAAAAAAAAAAAAAAAAAAAAAAAAAAAAAAAAAAAAAAAAAAAAAAAAAAAAAAAAAAAAAAAAAAAAAAAAAAAAAAAAAAAAAAAAAAAAAAAAAAAAAFAAAADwAAAAAAAAAAAAAAAAAAAkAAAAAAQAAAAAAAAAAAAAAAAAAAAAAAAAAAAAAZAAAAGQAAAAAAAAAZAAAAGQAAAAVAAAAYAAAAAAAAAAAAAAADwAAACADAAAAAAAAAAAAAAEAAACgMgAAAAAAAAAAAAABAAAAf39/AAEAAABkAAAAAAAAABQAAABAHwAAAAAAACYAAAAAAAAAwOD//wAAAAAmAAAAZAAAABYAAABMAAAAAAAAAAAAAAAEAAAAAAAAAAEAAACAgIAKAAAAACgAAAAoAAAAZAAAAGQAAAAAAAAAzMzMAAAAAABQAAAAUAAAAGQAAABkAAAAAAAAABcAAAAUAAAAAAAAAAAAAAD/fwAA/38AAAAAAAAJAAAABAAAAEwAaQAMAAAAEAAAAAAAAAAAAAAAAAAAAAAAAAAeAAAAaAAAAAAAAAAAAAAAAAAAAAAAAAAAAAAAECcAABAnAAAAAAAAAAAAAAAAAAAAAAAAAAAAAAAAAAAAAAAAAAAAABQAAAAAAAAAwMD/AAAAAABkAAAAMgAAAAAAAABkAAAAAAAAAH9/fwAKAAAAHwAAAFQAAAAeHh4A////AQAAAAAAAAAAAAAAAAAAAAAAAAAAAAAAAAAAAAAAAAAAAAAAAn9/fwCAgIADzMzMAMDA/wB/f38AAAAAAAAAAAAAAAAAAAAAAAAAAAAhAAAAGAAAABQAAAAAAAAAZQcAAEA4AAC4CAAAEAAAACYAAAAIAAAA//////////8="/>
+                <pr:smNativeData xmlns:pr="smNativeData" val="SMDATA_13_gcGAXRMAAAAlAAAAZAAAAA8BAAAAkAAAAEgAAACQAAAASAAAAAAAAAAAAAAAAAAAAAEAAABQAAAAAAAAAAAA4D8AAAAAAADgPwAAAAAAAOA/AAAAAAAA4D8AAAAAAADgPwAAAAAAAOA/AAAAAAAA4D8AAAAAAADgPwAAAAAAAOA/AAAAAAAA4D8CAAAAjAAAAAEAAAAAAAAAHh4eAP///wgAAAAAAAAAAAAAAAAAAAAAAAAAAAAAAAAAAAAAZAAAAAEAAABAAAAAAAAAAAAAAAAAAAAAAAAAAAAAAAAAAAAAAAAAAAAAAAAAAAAAAAAAAAAAAAAAAAAAAAAAAAAAAAAAAAAAAAAAAAAAAAAAAAAAAAAAAAAAAAAAAAAAFAAAADwAAAAAAAAAAAAAAAAAAAkAAAAAAQAAAAAAAAAAAAAAAAAAAAAAAAAAAAAAZAAAAGQAAAAAAAAAZAAAAGQAAAAVAAAAYAAAAAAAAAAAAAAADwAAACADAAAAAAAAAAAAAAEAAACgMgAAAAAAAAAAAAABAAAAf39/AAEAAABkAAAAAAAAABQAAABAHwAAAAAAACYAAAAAAAAAwOD//wAAAAAmAAAAZAAAABYAAABMAAAAAAAAAAAAAAAEAAAAAAAAAAEAAACAgIAKAAAAACgAAAAoAAAAZAAAAGQAAAAAAAAAzMzMAAAAAABQAAAAUAAAAGQAAABkAAAAAAAAABcAAAAUAAAAAAAAAAAAAAD/fwAA/38AAAAAAAAJAAAABAAAAEwAaQAMAAAAEAAAAAAAAAAAAAAAAAAAAAAAAAAeAAAAaAAAAAAAAAAAAAAAAAAAAAAAAAAAAAAAECcAABAnAAAAAAAAAAAAAAAAAAAAAAAAAAAAAAAAAAAAAAAAAAAAABQAAAAAAAAAwMD/AAAAAABkAAAAMgAAAAAAAABkAAAAAAAAAH9/fwAKAAAAHwAAAFQAAAAeHh4A////AQAAAAAAAAAAAAAAAAAAAAAAAAAAAAAAAAAAAAAAAAAAAAAAAn9/fwCAgIADzMzMAMDA/wB/f38AAAAAAAAAAAAAAAAAAAAAAAAAAAAhAAAAGAAAABQAAAAAAAAAZQcAAEA4AAC4CAAAEAAAACYAAAAIAAAA//////////8="/>
               </a:ext>
             </a:extLst>
           </p:cNvSpPr>
@@ -10551,7 +10551,7 @@
           <p:cNvSpPr>
             <a:extLst>
               <a:ext uri="smNativeData">
-                <pr:smNativeData xmlns:pr="smNativeData" val="SMDATA_13_IrKAXRMAAAAlAAAAZAAAAA8BAAAAkAAAAEgAAACQAAAASAAAAAAAAAABAAAAAAAAAAEAAABQAAAAAAAAAAAA4D8AAAAAAADgPwAAAAAAAOA/AAAAAAAA4D8AAAAAAADgPwAAAAAAAOA/AAAAAAAA4D8AAAAAAADgPwAAAAAAAOA/AAAAAAAA4D8CAAAAjAAAAAAAAAAAAAAAu+DjDP///wgAAAAAAAAAAAAAAAAAAAAAAAAAAAAAAAAAAAAAZAAAAAEAAABAAAAAAAAAAAAAAAAAAAAAAAAAAAAAAAAAAAAAAAAAAAAAAAAAAAAAAAAAAAAAAAAAAAAAAAAAAAAAAAAAAAAAAAAAAAAAAAAAAAAAAAAAAAAAAAAAAAAAFAAAADwAAAAAAAAAAAAAAAAAAAkUAAAAAQAAABQAAAAUAAAAFAAAAAEAAAAAAAAAZAAAAGQAAAAAAAAAZAAAAGQAAAAVAAAAYAAAAAAAAAAAAAAADwAAACADAAAAAAAAAAAAAAEAAACgMgAAVgcAAKr4//8BAAAAf39/AAEAAABkAAAAAAAAABQAAABAHwAAAAAAACYAAAAAAAAAwOD//wAAAAAmAAAAZAAAABYAAABMAAAAAAAAAAAAAAAEAAAAAAAAAAEAAACAgIAKAAAAACgAAAAoAAAAZAAAAGQAAAAAAAAAzMzMAAAAAABQAAAAUAAAAGQAAABkAAAAAAAAABcAAAAUAAAAAAAAAAAAAAD/fwAA/38AAAAAAAAJAAAABAAAAAEAAAAMAAAAEAAAAAAAAAAAAAAAAAAAAAAAAAAeAAAAaAAAAAAAAAAAAAAAAAAAAAAAAAAAAAAAECcAABAnAAAAAAAAAAAAAAAAAAAAAAAAAAAAAAAAAAAAAAAAAAAAABQAAAAAAAAAwMD/AAAAAABkAAAAMgAAAAAAAABkAAAAAAAAAH9/fwAKAAAAHwAAAFQAAAC74OMF////AQAAAAAAAAAAAAAAAAAAAAAAAAAAAAAAAAAAAAAAAAAAAAAAAn9/fwCAgIADzMzMAMDA/wB/f38AAAAAAAAAAAAAAAAAAAAAAAAAAAAhAAAAGAAAABQAAABqBAAAiAMAABY0AAAoBwAAEAAAACYAAAAIAAAA//////////8="/>
+                <pr:smNativeData xmlns:pr="smNativeData" val="SMDATA_13_gcGAXRMAAAAlAAAAZAAAAA8BAAAAkAAAAEgAAACQAAAASAAAAAAAAAABAAAAAAAAAAEAAABQAAAAAAAAAAAA4D8AAAAAAADgPwAAAAAAAOA/AAAAAAAA4D8AAAAAAADgPwAAAAAAAOA/AAAAAAAA4D8AAAAAAADgPwAAAAAAAOA/AAAAAAAA4D8CAAAAjAAAAAAAAAAAAAAAu+DjDP///wgAAAAAAAAAAAAAAAAAAAAAAAAAAAAAAAAAAAAAZAAAAAEAAABAAAAAAAAAAAAAAAAAAAAAAAAAAAAAAAAAAAAAAAAAAAAAAAAAAAAAAAAAAAAAAAAAAAAAAAAAAAAAAAAAAAAAAAAAAAAAAAAAAAAAAAAAAAAAAAAAAAAAFAAAADwAAAAAAAAAAAAAAAAAAAkUAAAAAQAAABQAAAAUAAAAFAAAAAEAAAAAAAAAZAAAAGQAAAAAAAAAZAAAAGQAAAAVAAAAYAAAAAAAAAAAAAAADwAAACADAAAAAAAAAAAAAAEAAACgMgAAVgcAAKr4//8BAAAAf39/AAEAAABkAAAAAAAAABQAAABAHwAAAAAAACYAAAAAAAAAwOD//wAAAAAmAAAAZAAAABYAAABMAAAAAAAAAAAAAAAEAAAAAAAAAAEAAACAgIAKAAAAACgAAAAoAAAAZAAAAGQAAAAAAAAAzMzMAAAAAABQAAAAUAAAAGQAAABkAAAAAAAAABcAAAAUAAAAAAAAAAAAAAD/fwAA/38AAAAAAAAJAAAABAAAAAEAAAAMAAAAEAAAAAAAAAAAAAAAAAAAAAAAAAAeAAAAaAAAAAAAAAAAAAAAAAAAAAAAAAAAAAAAECcAABAnAAAAAAAAAAAAAAAAAAAAAAAAAAAAAAAAAAAAAAAAAAAAABQAAAAAAAAAwMD/AAAAAABkAAAAMgAAAAAAAABkAAAAAAAAAH9/fwAKAAAAHwAAAFQAAAC74OMF////AQAAAAAAAAAAAAAAAAAAAAAAAAAAAAAAAAAAAAAAAAAAAAAAAn9/fwCAgIADzMzMAMDA/wB/f38AAAAAAAAAAAAAAAAAAAAAAAAAAAAhAAAAGAAAABQAAABqBAAAiAMAABY0AAAoBwAAEAAAACYAAAAIAAAA//////////8="/>
               </a:ext>
             </a:extLst>
           </p:cNvSpPr>
@@ -10597,7 +10597,7 @@
           <p:cNvSpPr txBox="1">
             <a:extLst>
               <a:ext uri="smNativeData">
-                <pr:smNativeData xmlns:pr="smNativeData" val="SMDATA_13_IrKAXRMAAAAlAAAAEgAAAA8BAAAAkAAAAEgAAACQAAAASAAAAAAAAAAAAAAAAAAAAAEAAABQAAAAAAAAAAAA4D8AAAAAAADgPwAAAAAAAOA/AAAAAAAA4D8AAAAAAADgPwAAAAAAAOA/AAAAAAAA4D8AAAAAAADgPwAAAAAAAOA/AAAAAAAA4D8CAAAAjAAAAAAAAAAAAAAAu+DjDP///wgAAAAAAAAAAAAAAAAAAAAAAAAAAAAAAAAAAAAAZAAAAAEAAABAAAAAAAAAAAAAAAAAAAAAAAAAAAAAAAAAAAAAAAAAAAAAAAAAAAAAAAAAAAAAAAAAAAAAAAAAAAAAAAAAAAAAAAAAAAAAAAAAAAAAAAAAAAAAAAAAAAAAFAAAADwAAAAAAAAAAAAAAAAAAAkUAAAAAQAAABQAAAAUAAAAFAAAAAEAAAAAAAAAZAAAAGQAAAAAAAAAZAAAAGQAAAAVAAAAYAAAAAAAAAAAAAAADwAAACADAAAAAAAAAAAAAAEAAACgMgAAVgcAAKr4//8BAAAAf39/AAEAAABkAAAAAAAAABQAAABAHwAAAAAAACYAAAAAAAAAwOD//wAAAAAmAAAAZAAAABYAAABMAAAAAAAAAAAAAAAEAAAAAAAAAAEAAACAgIAKAAAAACgAAAAoAAAAZAAAAGQAAAAAAAAAzMzMAAAAAABQAAAAUAAAAGQAAABkAAAAAAAAABcAAAAUAAAAAAAAANwIAAD/fwAA/38AAAAAAAAJAAAABAAAAON4AAAMAAAAEAAAAAAAAAAAAAAAAAAAAAAAAAAeAAAAaAAAAAAAAAAAAAAAAAAAAAAAAAAAAAAAECcAABAnAAAAAAAAAAAAAAAAAAAAAAAAAAAAAAAAAAAAAAAAAAAAABQAAAAAAAAAwMD/AAAAAABkAAAAMgAAAAAAAABkAAAAAAAAAH9/fwAKAAAAHwAAAFQAAAC74OMF////AQAAAAAAAAAAAAAAAAAAAAAAAAAAAAAAAAAAAAAAAAAAAAAAAn9/fwCAgIADzMzMAMDA/wB/f38AAAAAAAAAAAAAAAAAAAAAAAAAAAAhAAAAGAAAABQAAABqBAAA4QgAABY0AABAHAAAEAAAACYAAAAIAAAA//////////8="/>
+                <pr:smNativeData xmlns:pr="smNativeData" val="SMDATA_13_gcGAXRMAAAAlAAAAEgAAAA8BAAAAkAAAAEgAAACQAAAASAAAAAAAAAAAAAAAAAAAAAEAAABQAAAAAAAAAAAA4D8AAAAAAADgPwAAAAAAAOA/AAAAAAAA4D8AAAAAAADgPwAAAAAAAOA/AAAAAAAA4D8AAAAAAADgPwAAAAAAAOA/AAAAAAAA4D8CAAAAjAAAAAAAAAAAAAAAu+DjDP///wgAAAAAAAAAAAAAAAAAAAAAAAAAAAAAAAAAAAAAZAAAAAEAAABAAAAAAAAAAAAAAAAAAAAAAAAAAAAAAAAAAAAAAAAAAAAAAAAAAAAAAAAAAAAAAAAAAAAAAAAAAAAAAAAAAAAAAAAAAAAAAAAAAAAAAAAAAAAAAAAAAAAAFAAAADwAAAAAAAAAAAAAAAAAAAkUAAAAAQAAABQAAAAUAAAAFAAAAAEAAAAAAAAAZAAAAGQAAAAAAAAAZAAAAGQAAAAVAAAAYAAAAAAAAAAAAAAADwAAACADAAAAAAAAAAAAAAEAAACgMgAAVgcAAKr4//8BAAAAf39/AAEAAABkAAAAAAAAABQAAABAHwAAAAAAACYAAAAAAAAAwOD//wAAAAAmAAAAZAAAABYAAABMAAAAAAAAAAAAAAAEAAAAAAAAAAEAAACAgIAKAAAAACgAAAAoAAAAZAAAAGQAAAAAAAAAzMzMAAAAAABQAAAAUAAAAGQAAABkAAAAAAAAABcAAAAUAAAAAAAAANwIAAD/fwAA/38AAAAAAAAJAAAABAAAAON4AAAMAAAAEAAAAAAAAAAAAAAAAAAAAAAAAAAeAAAAaAAAAAAAAAAAAAAAAAAAAAAAAAAAAAAAECcAABAnAAAAAAAAAAAAAAAAAAAAAAAAAAAAAAAAAAAAAAAAAAAAABQAAAAAAAAAwMD/AAAAAABkAAAAMgAAAAAAAABkAAAAAAAAAH9/fwAKAAAAHwAAAFQAAAC74OMF////AQAAAAAAAAAAAAAAAAAAAAAAAAAAAAAAAAAAAAAAAAAAAAAAAn9/fwCAgIADzMzMAMDA/wB/f38AAAAAAAAAAAAAAAAAAAAAAAAAAAAhAAAAGAAAABQAAABqBAAA4QgAABY0AABAHAAAEAAAACYAAAAIAAAA//////////8="/>
               </a:ext>
             </a:extLst>
           </p:cNvSpPr>
@@ -10738,7 +10738,7 @@
           <p:cNvSpPr>
             <a:extLst>
               <a:ext uri="smNativeData">
-                <pr:smNativeData xmlns:pr="smNativeData" val="SMDATA_13_IrKAXRMAAAAlAAAAZAAAAA8BAAAAkAAAAEgAAACQAAAASAAAAAAAAAAAAAAAAAAAAAEAAABQAAAAAAAAAAAA4D8AAAAAAADgPwAAAAAAAOA/AAAAAAAA4D8AAAAAAADgPwAAAAAAAOA/AAAAAAAA4D8AAAAAAADgPwAAAAAAAOA/AAAAAAAA4D8CAAAAjAAAAAEAAAAAAAAAHh4eAP///wgAAAAAAAAAAAAAAAAAAAAAAAAAAAAAAAAAAAAAZAAAAAEAAABAAAAAAAAAAAAAAAAAAAAAAAAAAAAAAAAAAAAAAAAAAAAAAAAAAAAAAAAAAAAAAAAAAAAAAAAAAAAAAAAAAAAAAAAAAAAAAAAAAAAAAAAAAAAAAAAAAAAAFAAAADwAAAAAAAAAAAAAAAAAAAkAAAAAAQAAAAAAAAAAAAAAAAAAAAAAAAAAAAAAZAAAAGQAAAAAAAAAZAAAAGQAAAAVAAAAYAAAAAAAAAAAAAAADwAAACADAAAAAAAAAAAAAAEAAACgMgAAAAAAAAAAAAABAAAAf39/AAEAAABkAAAAAAAAABQAAABAHwAAAAAAACYAAAAAAAAAwOD//wAAAAAmAAAAZAAAABYAAABMAAAAAAAAAAAAAAAEAAAAAAAAAAEAAACAgIAKAAAAACgAAAAoAAAAZAAAAGQAAAAAAAAAzMzMAAAAAABQAAAAUAAAAGQAAABkAAAAAAAAABcAAAAUAAAAAAAAAAAAAAD/fwAA/38AAAAAAAAJAAAABAAAADA5MDgMAAAAEAAAAAAAAAAAAAAAAAAAAAAAAAAeAAAAaAAAAAAAAAAAAAAAAAAAAAAAAAAAAAAAECcAABAnAAAAAAAAAAAAAAAAAAAAAAAAAAAAAAAAAAAAAAAAAAAAABQAAAAAAAAAwMD/AAAAAABkAAAAMgAAAAAAAABkAAAAAAAAAH9/fwAKAAAAHwAAAFQAAAAeHh4A////AQAAAAAAAAAAAAAAAAAAAAAAAAAAAAAAAAAAAAAAAAAAAAAAAn9/fwCAgIADzMzMAMDA/wB/f38AAAAAAAAAAAAAAAAAAAAAAAAAAAAhAAAAGAAAABQAAAAAAAAAZQcAAEA4AAC4CAAAEAAAACYAAAAIAAAA//////////8="/>
+                <pr:smNativeData xmlns:pr="smNativeData" val="SMDATA_13_gcGAXRMAAAAlAAAAZAAAAA8BAAAAkAAAAEgAAACQAAAASAAAAAAAAAAAAAAAAAAAAAEAAABQAAAAAAAAAAAA4D8AAAAAAADgPwAAAAAAAOA/AAAAAAAA4D8AAAAAAADgPwAAAAAAAOA/AAAAAAAA4D8AAAAAAADgPwAAAAAAAOA/AAAAAAAA4D8CAAAAjAAAAAEAAAAAAAAAHh4eAP///wgAAAAAAAAAAAAAAAAAAAAAAAAAAAAAAAAAAAAAZAAAAAEAAABAAAAAAAAAAAAAAAAAAAAAAAAAAAAAAAAAAAAAAAAAAAAAAAAAAAAAAAAAAAAAAAAAAAAAAAAAAAAAAAAAAAAAAAAAAAAAAAAAAAAAAAAAAAAAAAAAAAAAFAAAADwAAAAAAAAAAAAAAAAAAAkAAAAAAQAAAAAAAAAAAAAAAAAAAAAAAAAAAAAAZAAAAGQAAAAAAAAAZAAAAGQAAAAVAAAAYAAAAAAAAAAAAAAADwAAACADAAAAAAAAAAAAAAEAAACgMgAAAAAAAAAAAAABAAAAf39/AAEAAABkAAAAAAAAABQAAABAHwAAAAAAACYAAAAAAAAAwOD//wAAAAAmAAAAZAAAABYAAABMAAAAAAAAAAAAAAAEAAAAAAAAAAEAAACAgIAKAAAAACgAAAAoAAAAZAAAAGQAAAAAAAAAzMzMAAAAAABQAAAAUAAAAGQAAABkAAAAAAAAABcAAAAUAAAAAAAAAAAAAAD/fwAA/38AAAAAAAAJAAAABAAAADA5MDgMAAAAEAAAAAAAAAAAAAAAAAAAAAAAAAAeAAAAaAAAAAAAAAAAAAAAAAAAAAAAAAAAAAAAECcAABAnAAAAAAAAAAAAAAAAAAAAAAAAAAAAAAAAAAAAAAAAAAAAABQAAAAAAAAAwMD/AAAAAABkAAAAMgAAAAAAAABkAAAAAAAAAH9/fwAKAAAAHwAAAFQAAAAeHh4A////AQAAAAAAAAAAAAAAAAAAAAAAAAAAAAAAAAAAAAAAAAAAAAAAAn9/fwCAgIADzMzMAMDA/wB/f38AAAAAAAAAAAAAAAAAAAAAAAAAAAAhAAAAGAAAABQAAAAAAAAAZQcAAEA4AAC4CAAAEAAAACYAAAAIAAAA//////////8="/>
               </a:ext>
             </a:extLst>
           </p:cNvSpPr>
@@ -10807,7 +10807,7 @@
           <p:cNvSpPr>
             <a:extLst>
               <a:ext uri="smNativeData">
-                <pr:smNativeData xmlns:pr="smNativeData" val="SMDATA_13_IrKAXRMAAAAlAAAAZAAAAA8BAAAAkAAAAEgAAACQAAAASAAAAAAAAAABAAAAAAAAAAEAAABQAAAAAAAAAAAA4D8AAAAAAADgPwAAAAAAAOA/AAAAAAAA4D8AAAAAAADgPwAAAAAAAOA/AAAAAAAA4D8AAAAAAADgPwAAAAAAAOA/AAAAAAAA4D8CAAAAjAAAAAAAAAAAAAAAu+DjDP///wgAAAAAAAAAAAAAAAAAAAAAAAAAAAAAAAAAAAAAZAAAAAEAAABAAAAAAAAAAAAAAAAAAAAAAAAAAAAAAAAAAAAAAAAAAAAAAAAAAAAAAAAAAAAAAAAAAAAAAAAAAAAAAAAAAAAAAAAAAAAAAAAAAAAAAAAAAAAAAAAAAAAAFAAAADwAAAAAAAAAAAAAAAAAAAkUAAAAAQAAABQAAAAUAAAAFAAAAAEAAAAAAAAAZAAAAGQAAAAAAAAAZAAAAGQAAAAVAAAAYAAAAAAAAAAAAAAADwAAACADAAAAAAAAAAAAAAEAAACgMgAAVgcAAKr4//8BAAAAf39/AAEAAABkAAAAAAAAABQAAABAHwAAAAAAACYAAAAAAAAAwOD//wAAAAAmAAAAZAAAABYAAABMAAAAAAAAAAAAAAAEAAAAAAAAAAEAAACAgIAKAAAAACgAAAAoAAAAZAAAAGQAAAAAAAAAzMzMAAAAAABQAAAAUAAAAGQAAABkAAAAAAAAABcAAAAUAAAAAAAAAAAAAAD/fwAA/38AAAAAAAAJAAAABAAAAJDP7Q4MAAAAEAAAAAAAAAAAAAAAAAAAAAAAAAAeAAAAaAAAAAAAAAAAAAAAAAAAAAAAAAAAAAAAECcAABAnAAAAAAAAAAAAAAAAAAAAAAAAAAAAAAAAAAAAAAAAAAAAABQAAAAAAAAAwMD/AAAAAABkAAAAMgAAAAAAAABkAAAAAAAAAH9/fwAKAAAAHwAAAFQAAAC74OMF////AQAAAAAAAAAAAAAAAAAAAAAAAAAAAAAAAAAAAAAAAAAAAAAAAn9/fwCAgIADzMzMAMDA/wB/f38AAAAAAAAAAAAAAAAAAAAAAAAAAAAhAAAAGAAAABQAAABqBAAAiAMAABY0AAAoBwAAEAAAACYAAAAIAAAA//////////8="/>
+                <pr:smNativeData xmlns:pr="smNativeData" val="SMDATA_13_gcGAXRMAAAAlAAAAZAAAAA8BAAAAkAAAAEgAAACQAAAASAAAAAAAAAABAAAAAAAAAAEAAABQAAAAAAAAAAAA4D8AAAAAAADgPwAAAAAAAOA/AAAAAAAA4D8AAAAAAADgPwAAAAAAAOA/AAAAAAAA4D8AAAAAAADgPwAAAAAAAOA/AAAAAAAA4D8CAAAAjAAAAAAAAAAAAAAAu+DjDP///wgAAAAAAAAAAAAAAAAAAAAAAAAAAAAAAAAAAAAAZAAAAAEAAABAAAAAAAAAAAAAAAAAAAAAAAAAAAAAAAAAAAAAAAAAAAAAAAAAAAAAAAAAAAAAAAAAAAAAAAAAAAAAAAAAAAAAAAAAAAAAAAAAAAAAAAAAAAAAAAAAAAAAFAAAADwAAAAAAAAAAAAAAAAAAAkUAAAAAQAAABQAAAAUAAAAFAAAAAEAAAAAAAAAZAAAAGQAAAAAAAAAZAAAAGQAAAAVAAAAYAAAAAAAAAAAAAAADwAAACADAAAAAAAAAAAAAAEAAACgMgAAVgcAAKr4//8BAAAAf39/AAEAAABkAAAAAAAAABQAAABAHwAAAAAAACYAAAAAAAAAwOD//wAAAAAmAAAAZAAAABYAAABMAAAAAAAAAAAAAAAEAAAAAAAAAAEAAACAgIAKAAAAACgAAAAoAAAAZAAAAGQAAAAAAAAAzMzMAAAAAABQAAAAUAAAAGQAAABkAAAAAAAAABcAAAAUAAAAAAAAAAAAAAD/fwAA/38AAAAAAAAJAAAABAAAAJDP7Q4MAAAAEAAAAAAAAAAAAAAAAAAAAAAAAAAeAAAAaAAAAAAAAAAAAAAAAAAAAAAAAAAAAAAAECcAABAnAAAAAAAAAAAAAAAAAAAAAAAAAAAAAAAAAAAAAAAAAAAAABQAAAAAAAAAwMD/AAAAAABkAAAAMgAAAAAAAABkAAAAAAAAAH9/fwAKAAAAHwAAAFQAAAC74OMF////AQAAAAAAAAAAAAAAAAAAAAAAAAAAAAAAAAAAAAAAAAAAAAAAAn9/fwCAgIADzMzMAMDA/wB/f38AAAAAAAAAAAAAAAAAAAAAAAAAAAAhAAAAGAAAABQAAABqBAAAiAMAABY0AAAoBwAAEAAAACYAAAAIAAAA//////////8="/>
               </a:ext>
             </a:extLst>
           </p:cNvSpPr>
@@ -10853,7 +10853,7 @@
           <p:cNvSpPr txBox="1">
             <a:extLst>
               <a:ext uri="smNativeData">
-                <pr:smNativeData xmlns:pr="smNativeData" val="SMDATA_13_IrKAXRMAAAAlAAAAEgAAAA8BAAAAkAAAAEgAAACQAAAASAAAAAAAAAAAAAAAAAAAAAEAAABQAAAAAAAAAAAA4D8AAAAAAADgPwAAAAAAAOA/AAAAAAAA4D8AAAAAAADgPwAAAAAAAOA/AAAAAAAA4D8AAAAAAADgPwAAAAAAAOA/AAAAAAAA4D8CAAAAjAAAAAAAAAAAAAAAu+DjDP///wgAAAAAAAAAAAAAAAAAAAAAAAAAAAAAAAAAAAAAZAAAAAEAAABAAAAAAAAAAAAAAAAAAAAAAAAAAAAAAAAAAAAAAAAAAAAAAAAAAAAAAAAAAAAAAAAAAAAAAAAAAAAAAAAAAAAAAAAAAAAAAAAAAAAAAAAAAAAAAAAAAAAAFAAAADwAAAAAAAAAAAAAAAAAAAkUAAAAAQAAABQAAAAUAAAAFAAAAAEAAAAAAAAAZAAAAGQAAAAAAAAAZAAAAGQAAAAVAAAAYAAAAAAAAAAAAAAADwAAACADAAAAAAAAAAAAAAEAAACgMgAAVgcAAKr4//8BAAAAf39/AAEAAABkAAAAAAAAABQAAABAHwAAAAAAACYAAAAAAAAAwOD//wAAAAAmAAAAZAAAABYAAABMAAAAAAAAAAAAAAAEAAAAAAAAAAEAAACAgIAKAAAAACgAAAAoAAAAZAAAAGQAAAAAAAAAzMzMAAAAAABQAAAAUAAAAGQAAABkAAAAAAAAABcAAAAUAAAAAAAAANwIAAD/fwAA/38AAAAAAAAJAAAABAAAAGwYAAAMAAAAEAAAAAAAAAAAAAAAAAAAAAAAAAAeAAAAaAAAAAAAAAAAAAAAAAAAAAAAAAAAAAAAECcAABAnAAAAAAAAAAAAAAAAAAAAAAAAAAAAAAAAAAAAAAAAAAAAABQAAAAAAAAAwMD/AAAAAABkAAAAMgAAAAAAAABkAAAAAAAAAH9/fwAKAAAAHwAAAFQAAAC74OMF////AQAAAAAAAAAAAAAAAAAAAAAAAAAAAAAAAAAAAAAAAAAAAAAAAn9/fwCAgIADzMzMAMDA/wB/f38AAAAAAAAAAAAAAAAAAAAAAAAAAAAhAAAAGAAAABQAAABqBAAA4QgAABY0AABAHAAAEAAAACYAAAAIAAAA//////////8="/>
+                <pr:smNativeData xmlns:pr="smNativeData" val="SMDATA_13_gcGAXRMAAAAlAAAAEgAAAA8BAAAAkAAAAEgAAACQAAAASAAAAAAAAAAAAAAAAAAAAAEAAABQAAAAAAAAAAAA4D8AAAAAAADgPwAAAAAAAOA/AAAAAAAA4D8AAAAAAADgPwAAAAAAAOA/AAAAAAAA4D8AAAAAAADgPwAAAAAAAOA/AAAAAAAA4D8CAAAAjAAAAAAAAAAAAAAAu+DjDP///wgAAAAAAAAAAAAAAAAAAAAAAAAAAAAAAAAAAAAAZAAAAAEAAABAAAAAAAAAAAAAAAAAAAAAAAAAAAAAAAAAAAAAAAAAAAAAAAAAAAAAAAAAAAAAAAAAAAAAAAAAAAAAAAAAAAAAAAAAAAAAAAAAAAAAAAAAAAAAAAAAAAAAFAAAADwAAAAAAAAAAAAAAAAAAAkUAAAAAQAAABQAAAAUAAAAFAAAAAEAAAAAAAAAZAAAAGQAAAAAAAAAZAAAAGQAAAAVAAAAYAAAAAAAAAAAAAAADwAAACADAAAAAAAAAAAAAAEAAACgMgAAVgcAAKr4//8BAAAAf39/AAEAAABkAAAAAAAAABQAAABAHwAAAAAAACYAAAAAAAAAwOD//wAAAAAmAAAAZAAAABYAAABMAAAAAAAAAAAAAAAEAAAAAAAAAAEAAACAgIAKAAAAACgAAAAoAAAAZAAAAGQAAAAAAAAAzMzMAAAAAABQAAAAUAAAAGQAAABkAAAAAAAAABcAAAAUAAAAAAAAANwIAAD/fwAA/38AAAAAAAAJAAAABAAAAGwYAAAMAAAAEAAAAAAAAAAAAAAAAAAAAAAAAAAeAAAAaAAAAAAAAAAAAAAAAAAAAAAAAAAAAAAAECcAABAnAAAAAAAAAAAAAAAAAAAAAAAAAAAAAAAAAAAAAAAAAAAAABQAAAAAAAAAwMD/AAAAAABkAAAAMgAAAAAAAABkAAAAAAAAAH9/fwAKAAAAHwAAAFQAAAC74OMF////AQAAAAAAAAAAAAAAAAAAAAAAAAAAAAAAAAAAAAAAAAAAAAAAAn9/fwCAgIADzMzMAMDA/wB/f38AAAAAAAAAAAAAAAAAAAAAAAAAAAAhAAAAGAAAABQAAABqBAAA4QgAABY0AABAHAAAEAAAACYAAAAIAAAA//////////8="/>
               </a:ext>
             </a:extLst>
           </p:cNvSpPr>
@@ -11034,7 +11034,7 @@
           <p:cNvSpPr>
             <a:extLst>
               <a:ext uri="smNativeData">
-                <pr:smNativeData xmlns:pr="smNativeData" val="SMDATA_13_IrKAXRMAAAAlAAAAZAAAAA8BAAAAkAAAAEgAAACQAAAASAAAAAAAAAAAAAAAAAAAAAEAAABQAAAAAAAAAAAA4D8AAAAAAADgPwAAAAAAAOA/AAAAAAAA4D8AAAAAAADgPwAAAAAAAOA/AAAAAAAA4D8AAAAAAADgPwAAAAAAAOA/AAAAAAAA4D8CAAAAjAAAAAEAAAAAAAAAHh4eAP///wgAAAAAAAAAAAAAAAAAAAAAAAAAAAAAAAAAAAAAZAAAAAEAAABAAAAAAAAAAAAAAAAAAAAAAAAAAAAAAAAAAAAAAAAAAAAAAAAAAAAAAAAAAAAAAAAAAAAAAAAAAAAAAAAAAAAAAAAAAAAAAAAAAAAAAAAAAAAAAAAAAAAAFAAAADwAAAAAAAAAAAAAAAAAAAkAAAAAAQAAAAAAAAAAAAAAAAAAAAAAAAAAAAAAZAAAAGQAAAAAAAAAZAAAAGQAAAAVAAAAYAAAAAAAAAAAAAAADwAAACADAAAAAAAAAAAAAAEAAACgMgAAAAAAAAAAAAABAAAAf39/AAEAAABkAAAAAAAAABQAAABAHwAAAAAAACYAAAAAAAAAwOD//wAAAAAmAAAAZAAAABYAAABMAAAAAAAAAAAAAAAEAAAAAAAAAAEAAACAgIAKAAAAACgAAAAoAAAAZAAAAGQAAAAAAAAAzMzMAAAAAABQAAAAUAAAAGQAAABkAAAAAAAAABcAAAAUAAAAAAAAAAAAAAD/fwAA/38AAAAAAAAJAAAABAAAAG0WAAAMAAAAEAAAAAAAAAAAAAAAAAAAAAAAAAAeAAAAaAAAAAAAAAAAAAAAAAAAAAAAAAAAAAAAECcAABAnAAAAAAAAAAAAAAAAAAAAAAAAAAAAAAAAAAAAAAAAAAAAABQAAAAAAAAAwMD/AAAAAABkAAAAMgAAAAAAAABkAAAAAAAAAH9/fwAKAAAAHwAAAFQAAAAeHh4A////AQAAAAAAAAAAAAAAAAAAAAAAAAAAAAAAAAAAAAAAAAAAAAAAAn9/fwCAgIADzMzMAMDA/wB/f38AAAAAAAAAAAAAAAAAAAAAAAAAAAAhAAAAGAAAABQAAAAAAAAAZQcAAEA4AAC4CAAAEAAAACYAAAAIAAAA//////////8="/>
+                <pr:smNativeData xmlns:pr="smNativeData" val="SMDATA_13_gcGAXRMAAAAlAAAAZAAAAA8BAAAAkAAAAEgAAACQAAAASAAAAAAAAAAAAAAAAAAAAAEAAABQAAAAAAAAAAAA4D8AAAAAAADgPwAAAAAAAOA/AAAAAAAA4D8AAAAAAADgPwAAAAAAAOA/AAAAAAAA4D8AAAAAAADgPwAAAAAAAOA/AAAAAAAA4D8CAAAAjAAAAAEAAAAAAAAAHh4eAP///wgAAAAAAAAAAAAAAAAAAAAAAAAAAAAAAAAAAAAAZAAAAAEAAABAAAAAAAAAAAAAAAAAAAAAAAAAAAAAAAAAAAAAAAAAAAAAAAAAAAAAAAAAAAAAAAAAAAAAAAAAAAAAAAAAAAAAAAAAAAAAAAAAAAAAAAAAAAAAAAAAAAAAFAAAADwAAAAAAAAAAAAAAAAAAAkAAAAAAQAAAAAAAAAAAAAAAAAAAAAAAAAAAAAAZAAAAGQAAAAAAAAAZAAAAGQAAAAVAAAAYAAAAAAAAAAAAAAADwAAACADAAAAAAAAAAAAAAEAAACgMgAAAAAAAAAAAAABAAAAf39/AAEAAABkAAAAAAAAABQAAABAHwAAAAAAACYAAAAAAAAAwOD//wAAAAAmAAAAZAAAABYAAABMAAAAAAAAAAAAAAAEAAAAAAAAAAEAAACAgIAKAAAAACgAAAAoAAAAZAAAAGQAAAAAAAAAzMzMAAAAAABQAAAAUAAAAGQAAABkAAAAAAAAABcAAAAUAAAAAAAAAAAAAAD/fwAA/38AAAAAAAAJAAAABAAAAG0WAAAMAAAAEAAAAAAAAAAAAAAAAAAAAAAAAAAeAAAAaAAAAAAAAAAAAAAAAAAAAAAAAAAAAAAAECcAABAnAAAAAAAAAAAAAAAAAAAAAAAAAAAAAAAAAAAAAAAAAAAAABQAAAAAAAAAwMD/AAAAAABkAAAAMgAAAAAAAABkAAAAAAAAAH9/fwAKAAAAHwAAAFQAAAAeHh4A////AQAAAAAAAAAAAAAAAAAAAAAAAAAAAAAAAAAAAAAAAAAAAAAAAn9/fwCAgIADzMzMAMDA/wB/f38AAAAAAAAAAAAAAAAAAAAAAAAAAAAhAAAAGAAAABQAAAAAAAAAZQcAAEA4AAC4CAAAEAAAACYAAAAIAAAA//////////8="/>
               </a:ext>
             </a:extLst>
           </p:cNvSpPr>
@@ -11103,7 +11103,7 @@
           <p:cNvSpPr>
             <a:extLst>
               <a:ext uri="smNativeData">
-                <pr:smNativeData xmlns:pr="smNativeData" val="SMDATA_13_IrKAXRMAAAAlAAAAZAAAAA8BAAAAkAAAAEgAAACQAAAASAAAAAAAAAABAAAAAAAAAAEAAABQAAAAAAAAAAAA4D8AAAAAAADgPwAAAAAAAOA/AAAAAAAA4D8AAAAAAADgPwAAAAAAAOA/AAAAAAAA4D8AAAAAAADgPwAAAAAAAOA/AAAAAAAA4D8CAAAAjAAAAAAAAAAAAAAAu+DjDP///wgAAAAAAAAAAAAAAAAAAAAAAAAAAAAAAAAAAAAAZAAAAAEAAABAAAAAAAAAAAAAAAAAAAAAAAAAAAAAAAAAAAAAAAAAAAAAAAAAAAAAAAAAAAAAAAAAAAAAAAAAAAAAAAAAAAAAAAAAAAAAAAAAAAAAAAAAAAAAAAAAAAAAFAAAADwAAAAAAAAAAAAAAAAAAAkUAAAAAQAAABQAAAAUAAAAFAAAAAEAAAAAAAAAZAAAAGQAAAAAAAAAZAAAAGQAAAAVAAAAYAAAAAAAAAAAAAAADwAAACADAAAAAAAAAAAAAAEAAACgMgAAVgcAAKr4//8BAAAAf39/AAEAAABkAAAAAAAAABQAAABAHwAAAAAAACYAAAAAAAAAwOD//wAAAAAmAAAAZAAAABYAAABMAAAAAAAAAAAAAAAEAAAAAAAAAAEAAACAgIAKAAAAACgAAAAoAAAAZAAAAGQAAAAAAAAAzMzMAAAAAABQAAAAUAAAAGQAAABkAAAAAAAAABcAAAAUAAAAAAAAAAAAAAD/fwAA/38AAAAAAAAJAAAABAAAAAAAAAAMAAAAEAAAAAAAAAAAAAAAAAAAAAAAAAAeAAAAaAAAAAAAAAAAAAAAAAAAAAAAAAAAAAAAECcAABAnAAAAAAAAAAAAAAAAAAAAAAAAAAAAAAAAAAAAAAAAAAAAABQAAAAAAAAAwMD/AAAAAABkAAAAMgAAAAAAAABkAAAAAAAAAH9/fwAKAAAAHwAAAFQAAAC74OMF////AQAAAAAAAAAAAAAAAAAAAAAAAAAAAAAAAAAAAAAAAAAAAAAAAn9/fwCAgIADzMzMAMDA/wB/f38AAAAAAAAAAAAAAAAAAAAAAAAAAAAhAAAAGAAAABQAAABqBAAAiAMAABY0AAAoBwAAEAAAACYAAAAIAAAA//////////8="/>
+                <pr:smNativeData xmlns:pr="smNativeData" val="SMDATA_13_gcGAXRMAAAAlAAAAZAAAAA8BAAAAkAAAAEgAAACQAAAASAAAAAAAAAABAAAAAAAAAAEAAABQAAAAAAAAAAAA4D8AAAAAAADgPwAAAAAAAOA/AAAAAAAA4D8AAAAAAADgPwAAAAAAAOA/AAAAAAAA4D8AAAAAAADgPwAAAAAAAOA/AAAAAAAA4D8CAAAAjAAAAAAAAAAAAAAAu+DjDP///wgAAAAAAAAAAAAAAAAAAAAAAAAAAAAAAAAAAAAAZAAAAAEAAABAAAAAAAAAAAAAAAAAAAAAAAAAAAAAAAAAAAAAAAAAAAAAAAAAAAAAAAAAAAAAAAAAAAAAAAAAAAAAAAAAAAAAAAAAAAAAAAAAAAAAAAAAAAAAAAAAAAAAFAAAADwAAAAAAAAAAAAAAAAAAAkUAAAAAQAAABQAAAAUAAAAFAAAAAEAAAAAAAAAZAAAAGQAAAAAAAAAZAAAAGQAAAAVAAAAYAAAAAAAAAAAAAAADwAAACADAAAAAAAAAAAAAAEAAACgMgAAVgcAAKr4//8BAAAAf39/AAEAAABkAAAAAAAAABQAAABAHwAAAAAAACYAAAAAAAAAwOD//wAAAAAmAAAAZAAAABYAAABMAAAAAAAAAAAAAAAEAAAAAAAAAAEAAACAgIAKAAAAACgAAAAoAAAAZAAAAGQAAAAAAAAAzMzMAAAAAABQAAAAUAAAAGQAAABkAAAAAAAAABcAAAAUAAAAAAAAAAAAAAD/fwAA/38AAAAAAAAJAAAABAAAAAAAAAAMAAAAEAAAAAAAAAAAAAAAAAAAAAAAAAAeAAAAaAAAAAAAAAAAAAAAAAAAAAAAAAAAAAAAECcAABAnAAAAAAAAAAAAAAAAAAAAAAAAAAAAAAAAAAAAAAAAAAAAABQAAAAAAAAAwMD/AAAAAABkAAAAMgAAAAAAAABkAAAAAAAAAH9/fwAKAAAAHwAAAFQAAAC74OMF////AQAAAAAAAAAAAAAAAAAAAAAAAAAAAAAAAAAAAAAAAAAAAAAAAn9/fwCAgIADzMzMAMDA/wB/f38AAAAAAAAAAAAAAAAAAAAAAAAAAAAhAAAAGAAAABQAAABqBAAAiAMAABY0AAAoBwAAEAAAACYAAAAIAAAA//////////8="/>
               </a:ext>
             </a:extLst>
           </p:cNvSpPr>
@@ -11149,7 +11149,7 @@
           <p:cNvSpPr txBox="1">
             <a:extLst>
               <a:ext uri="smNativeData">
-                <pr:smNativeData xmlns:pr="smNativeData" val="SMDATA_13_IrKAXRMAAAAlAAAAEgAAAA8BAAAAkAAAAEgAAACQAAAASAAAAAAAAAAAAAAAAAAAAAEAAABQAAAAAAAAAAAA4D8AAAAAAADgPwAAAAAAAOA/AAAAAAAA4D8AAAAAAADgPwAAAAAAAOA/AAAAAAAA4D8AAAAAAADgPwAAAAAAAOA/AAAAAAAA4D8CAAAAjAAAAAAAAAAAAAAAu+DjDP///wgAAAAAAAAAAAAAAAAAAAAAAAAAAAAAAAAAAAAAZAAAAAEAAABAAAAAAAAAAAAAAAAAAAAAAAAAAAAAAAAAAAAAAAAAAAAAAAAAAAAAAAAAAAAAAAAAAAAAAAAAAAAAAAAAAAAAAAAAAAAAAAAAAAAAAAAAAAAAAAAAAAAAFAAAADwAAAAAAAAAAAAAAAAAAAkUAAAAAQAAABQAAAAUAAAAFAAAAAEAAAAAAAAAZAAAAGQAAAAAAAAAZAAAAGQAAAAVAAAAYAAAAAAAAAAAAAAADwAAACADAAAAAAAAAAAAAAEAAACgMgAAVgcAAKr4//8BAAAAf39/AAEAAABkAAAAAAAAABQAAABAHwAAAAAAACYAAAAAAAAAwOD//wAAAAAmAAAAZAAAABYAAABMAAAAAAAAAAAAAAAEAAAAAAAAAAEAAACAgIAKAAAAACgAAAAoAAAAZAAAAGQAAAAAAAAAzMzMAAAAAABQAAAAUAAAAGQAAABkAAAAAAAAABcAAAAUAAAAAAAAANwIAAD/fwAA/38AAAAAAAAJAAAABAAAAAAAAAAMAAAAEAAAAAAAAAAAAAAAAAAAAAAAAAAeAAAAaAAAAAAAAAAAAAAAAAAAAAAAAAAAAAAAECcAABAnAAAAAAAAAAAAAAAAAAAAAAAAAAAAAAAAAAAAAAAAAAAAABQAAAAAAAAAwMD/AAAAAABkAAAAMgAAAAAAAABkAAAAAAAAAH9/fwAKAAAAHwAAAFQAAAC74OMF////AQAAAAAAAAAAAAAAAAAAAAAAAAAAAAAAAAAAAAAAAAAAAAAAAn9/fwCAgIADzMzMAMDA/wB/f38AAAAAAAAAAAAAAAAAAAAAAAAAAAAhAAAAGAAAABQAAABqBAAA1AgAABY0AADmHgAAEAAAACYAAAAIAAAA//////////8="/>
+                <pr:smNativeData xmlns:pr="smNativeData" val="SMDATA_13_gcGAXRMAAAAlAAAAEgAAAA8BAAAAkAAAAEgAAACQAAAASAAAAAAAAAAAAAAAAAAAAAEAAABQAAAAAAAAAAAA4D8AAAAAAADgPwAAAAAAAOA/AAAAAAAA4D8AAAAAAADgPwAAAAAAAOA/AAAAAAAA4D8AAAAAAADgPwAAAAAAAOA/AAAAAAAA4D8CAAAAjAAAAAAAAAAAAAAAu+DjDP///wgAAAAAAAAAAAAAAAAAAAAAAAAAAAAAAAAAAAAAZAAAAAEAAABAAAAAAAAAAAAAAAAAAAAAAAAAAAAAAAAAAAAAAAAAAAAAAAAAAAAAAAAAAAAAAAAAAAAAAAAAAAAAAAAAAAAAAAAAAAAAAAAAAAAAAAAAAAAAAAAAAAAAFAAAADwAAAAAAAAAAAAAAAAAAAkUAAAAAQAAABQAAAAUAAAAFAAAAAEAAAAAAAAAZAAAAGQAAAAAAAAAZAAAAGQAAAAVAAAAYAAAAAAAAAAAAAAADwAAACADAAAAAAAAAAAAAAEAAACgMgAAVgcAAKr4//8BAAAAf39/AAEAAABkAAAAAAAAABQAAABAHwAAAAAAACYAAAAAAAAAwOD//wAAAAAmAAAAZAAAABYAAABMAAAAAAAAAAAAAAAEAAAAAAAAAAEAAACAgIAKAAAAACgAAAAoAAAAZAAAAGQAAAAAAAAAzMzMAAAAAABQAAAAUAAAAGQAAABkAAAAAAAAABcAAAAUAAAAAAAAANwIAAD/fwAA/38AAAAAAAAJAAAABAAAAAAAAAAMAAAAEAAAAAAAAAAAAAAAAAAAAAAAAAAeAAAAaAAAAAAAAAAAAAAAAAAAAAAAAAAAAAAAECcAABAnAAAAAAAAAAAAAAAAAAAAAAAAAAAAAAAAAAAAAAAAAAAAABQAAAAAAAAAwMD/AAAAAABkAAAAMgAAAAAAAABkAAAAAAAAAH9/fwAKAAAAHwAAAFQAAAC74OMF////AQAAAAAAAAAAAAAAAAAAAAAAAAAAAAAAAAAAAAAAAAAAAAAAAn9/fwCAgIADzMzMAMDA/wB/f38AAAAAAAAAAAAAAAAAAAAAAAAAAAAhAAAAGAAAABQAAABqBAAA1AgAABY0AADmHgAAEAAAACYAAAAIAAAA//////////8="/>
               </a:ext>
             </a:extLst>
           </p:cNvSpPr>
@@ -11304,7 +11304,7 @@
           <p:cNvSpPr>
             <a:extLst>
               <a:ext uri="smNativeData">
-                <pr:smNativeData xmlns:pr="smNativeData" val="SMDATA_13_IrKAXRMAAAAlAAAAZAAAAA8BAAAAkAAAAEgAAACQAAAASAAAAAAAAAAAAAAAAAAAAAEAAABQAAAAAAAAAAAA4D8AAAAAAADgPwAAAAAAAOA/AAAAAAAA4D8AAAAAAADgPwAAAAAAAOA/AAAAAAAA4D8AAAAAAADgPwAAAAAAAOA/AAAAAAAA4D8CAAAAjAAAAAEAAAAAAAAAHh4eAP///wgAAAAAAAAAAAAAAAAAAAAAAAAAAAAAAAAAAAAAZAAAAAEAAABAAAAAAAAAAAAAAAAAAAAAAAAAAAAAAAAAAAAAAAAAAAAAAAAAAAAAAAAAAAAAAAAAAAAAAAAAAAAAAAAAAAAAAAAAAAAAAAAAAAAAAAAAAAAAAAAAAAAAFAAAADwAAAAAAAAAAAAAAAAAAAkAAAAAAQAAAAAAAAAAAAAAAAAAAAAAAAAAAAAAZAAAAGQAAAAAAAAAZAAAAGQAAAAVAAAAYAAAAAAAAAAAAAAADwAAACADAAAAAAAAAAAAAAEAAACgMgAAAAAAAAAAAAABAAAAf39/AAEAAABkAAAAAAAAABQAAABAHwAAAAAAACYAAAAAAAAAwOD//wAAAAAmAAAAZAAAABYAAABMAAAAAAAAAAAAAAAEAAAAAAAAAAEAAACAgIAKAAAAACgAAAAoAAAAZAAAAGQAAAAAAAAAzMzMAAAAAABQAAAAUAAAAGQAAABkAAAAAAAAABcAAAAUAAAAAAAAAAAAAAD/fwAA/38AAAAAAAAJAAAABAAAAAAAAAAMAAAAEAAAAAAAAAAAAAAAAAAAAAAAAAAeAAAAaAAAAAAAAAAAAAAAAAAAAAAAAAAAAAAAECcAABAnAAAAAAAAAAAAAAAAAAAAAAAAAAAAAAAAAAAAAAAAAAAAABQAAAAAAAAAwMD/AAAAAABkAAAAMgAAAAAAAABkAAAAAAAAAH9/fwAKAAAAHwAAAFQAAAAeHh4A////AQAAAAAAAAAAAAAAAAAAAAAAAAAAAAAAAAAAAAAAAAAAAAAAAn9/fwCAgIADzMzMAMDA/wB/f38AAAAAAAAAAAAAAAAAAAAAAAAAAAAhAAAAGAAAABQAAAAAAAAAZQcAAEA4AAC4CAAAEAAAACYAAAAIAAAA//////////8="/>
+                <pr:smNativeData xmlns:pr="smNativeData" val="SMDATA_13_gcGAXRMAAAAlAAAAZAAAAA8BAAAAkAAAAEgAAACQAAAASAAAAAAAAAAAAAAAAAAAAAEAAABQAAAAAAAAAAAA4D8AAAAAAADgPwAAAAAAAOA/AAAAAAAA4D8AAAAAAADgPwAAAAAAAOA/AAAAAAAA4D8AAAAAAADgPwAAAAAAAOA/AAAAAAAA4D8CAAAAjAAAAAEAAAAAAAAAHh4eAP///wgAAAAAAAAAAAAAAAAAAAAAAAAAAAAAAAAAAAAAZAAAAAEAAABAAAAAAAAAAAAAAAAAAAAAAAAAAAAAAAAAAAAAAAAAAAAAAAAAAAAAAAAAAAAAAAAAAAAAAAAAAAAAAAAAAAAAAAAAAAAAAAAAAAAAAAAAAAAAAAAAAAAAFAAAADwAAAAAAAAAAAAAAAAAAAkAAAAAAQAAAAAAAAAAAAAAAAAAAAAAAAAAAAAAZAAAAGQAAAAAAAAAZAAAAGQAAAAVAAAAYAAAAAAAAAAAAAAADwAAACADAAAAAAAAAAAAAAEAAACgMgAAAAAAAAAAAAABAAAAf39/AAEAAABkAAAAAAAAABQAAABAHwAAAAAAACYAAAAAAAAAwOD//wAAAAAmAAAAZAAAABYAAABMAAAAAAAAAAAAAAAEAAAAAAAAAAEAAACAgIAKAAAAACgAAAAoAAAAZAAAAGQAAAAAAAAAzMzMAAAAAABQAAAAUAAAAGQAAABkAAAAAAAAABcAAAAUAAAAAAAAAAAAAAD/fwAA/38AAAAAAAAJAAAABAAAAAAAAAAMAAAAEAAAAAAAAAAAAAAAAAAAAAAAAAAeAAAAaAAAAAAAAAAAAAAAAAAAAAAAAAAAAAAAECcAABAnAAAAAAAAAAAAAAAAAAAAAAAAAAAAAAAAAAAAAAAAAAAAABQAAAAAAAAAwMD/AAAAAABkAAAAMgAAAAAAAABkAAAAAAAAAH9/fwAKAAAAHwAAAFQAAAAeHh4A////AQAAAAAAAAAAAAAAAAAAAAAAAAAAAAAAAAAAAAAAAAAAAAAAAn9/fwCAgIADzMzMAMDA/wB/f38AAAAAAAAAAAAAAAAAAAAAAAAAAAAhAAAAGAAAABQAAAAAAAAAZQcAAEA4AAC4CAAAEAAAACYAAAAIAAAA//////////8="/>
               </a:ext>
             </a:extLst>
           </p:cNvSpPr>
@@ -11373,7 +11373,7 @@
           <p:cNvSpPr>
             <a:extLst>
               <a:ext uri="smNativeData">
-                <pr:smNativeData xmlns:pr="smNativeData" val="SMDATA_13_IrKAXRMAAAAlAAAAZAAAAA8BAAAAkAAAAEgAAACQAAAASAAAAAAAAAABAAAAAAAAAAEAAABQAAAAAAAAAAAA4D8AAAAAAADgPwAAAAAAAOA/AAAAAAAA4D8AAAAAAADgPwAAAAAAAOA/AAAAAAAA4D8AAAAAAADgPwAAAAAAAOA/AAAAAAAA4D8CAAAAjAAAAAAAAAAAAAAAu+DjDP///wgAAAAAAAAAAAAAAAAAAAAAAAAAAAAAAAAAAAAAZAAAAAEAAABAAAAAAAAAAAAAAAAAAAAAAAAAAAAAAAAAAAAAAAAAAAAAAAAAAAAAAAAAAAAAAAAAAAAAAAAAAAAAAAAAAAAAAAAAAAAAAAAAAAAAAAAAAAAAAAAAAAAAFAAAADwAAAAAAAAAAAAAAAAAAAkUAAAAAQAAABQAAAAUAAAAFAAAAAEAAAAAAAAAZAAAAGQAAAAAAAAAZAAAAGQAAAAVAAAAYAAAAAAAAAAAAAAADwAAACADAAAAAAAAAAAAAAEAAACgMgAAVgcAAKr4//8BAAAAf39/AAEAAABkAAAAAAAAABQAAABAHwAAAAAAACYAAAAAAAAAwOD//wAAAAAmAAAAZAAAABYAAABMAAAAAAAAAAAAAAAEAAAAAAAAAAEAAACAgIAKAAAAACgAAAAoAAAAZAAAAGQAAAAAAAAAzMzMAAAAAABQAAAAUAAAAGQAAABkAAAAAAAAABcAAAAUAAAAAAAAAAAAAAD/fwAA/38AAAAAAAAJAAAABAAAAGwYAAAMAAAAEAAAAAAAAAAAAAAAAAAAAAAAAAAeAAAAaAAAAAAAAAAAAAAAAAAAAAAAAAAAAAAAECcAABAnAAAAAAAAAAAAAAAAAAAAAAAAAAAAAAAAAAAAAAAAAAAAABQAAAAAAAAAwMD/AAAAAABkAAAAMgAAAAAAAABkAAAAAAAAAH9/fwAKAAAAHwAAAFQAAAC74OMF////AQAAAAAAAAAAAAAAAAAAAAAAAAAAAAAAAAAAAAAAAAAAAAAAAn9/fwCAgIADzMzMAMDA/wB/f38AAAAAAAAAAAAAAAAAAAAAAAAAAAAhAAAAGAAAABQAAABqBAAAiAMAABY0AAAoBwAAEAAAACYAAAAIAAAA//////////8="/>
+                <pr:smNativeData xmlns:pr="smNativeData" val="SMDATA_13_gcGAXRMAAAAlAAAAZAAAAA8BAAAAkAAAAEgAAACQAAAASAAAAAAAAAABAAAAAAAAAAEAAABQAAAAAAAAAAAA4D8AAAAAAADgPwAAAAAAAOA/AAAAAAAA4D8AAAAAAADgPwAAAAAAAOA/AAAAAAAA4D8AAAAAAADgPwAAAAAAAOA/AAAAAAAA4D8CAAAAjAAAAAAAAAAAAAAAu+DjDP///wgAAAAAAAAAAAAAAAAAAAAAAAAAAAAAAAAAAAAAZAAAAAEAAABAAAAAAAAAAAAAAAAAAAAAAAAAAAAAAAAAAAAAAAAAAAAAAAAAAAAAAAAAAAAAAAAAAAAAAAAAAAAAAAAAAAAAAAAAAAAAAAAAAAAAAAAAAAAAAAAAAAAAFAAAADwAAAAAAAAAAAAAAAAAAAkUAAAAAQAAABQAAAAUAAAAFAAAAAEAAAAAAAAAZAAAAGQAAAAAAAAAZAAAAGQAAAAVAAAAYAAAAAAAAAAAAAAADwAAACADAAAAAAAAAAAAAAEAAACgMgAAVgcAAKr4//8BAAAAf39/AAEAAABkAAAAAAAAABQAAABAHwAAAAAAACYAAAAAAAAAwOD//wAAAAAmAAAAZAAAABYAAABMAAAAAAAAAAAAAAAEAAAAAAAAAAEAAACAgIAKAAAAACgAAAAoAAAAZAAAAGQAAAAAAAAAzMzMAAAAAABQAAAAUAAAAGQAAABkAAAAAAAAABcAAAAUAAAAAAAAAAAAAAD/fwAA/38AAAAAAAAJAAAABAAAAGwYAAAMAAAAEAAAAAAAAAAAAAAAAAAAAAAAAAAeAAAAaAAAAAAAAAAAAAAAAAAAAAAAAAAAAAAAECcAABAnAAAAAAAAAAAAAAAAAAAAAAAAAAAAAAAAAAAAAAAAAAAAABQAAAAAAAAAwMD/AAAAAABkAAAAMgAAAAAAAABkAAAAAAAAAH9/fwAKAAAAHwAAAFQAAAC74OMF////AQAAAAAAAAAAAAAAAAAAAAAAAAAAAAAAAAAAAAAAAAAAAAAAAn9/fwCAgIADzMzMAMDA/wB/f38AAAAAAAAAAAAAAAAAAAAAAAAAAAAhAAAAGAAAABQAAABqBAAAiAMAABY0AAAoBwAAEAAAACYAAAAIAAAA//////////8="/>
               </a:ext>
             </a:extLst>
           </p:cNvSpPr>
@@ -11419,7 +11419,7 @@
           <p:cNvSpPr txBox="1">
             <a:extLst>
               <a:ext uri="smNativeData">
-                <pr:smNativeData xmlns:pr="smNativeData" val="SMDATA_13_IrKAXRMAAAAlAAAAEgAAAA8BAAAAkAAAAEgAAACQAAAASAAAAAAAAAAAAAAAAAAAAAEAAABQAAAAAAAAAAAA4D8AAAAAAADgPwAAAAAAAOA/AAAAAAAA4D8AAAAAAADgPwAAAAAAAOA/AAAAAAAA4D8AAAAAAADgPwAAAAAAAOA/AAAAAAAA4D8CAAAAjAAAAAAAAAAAAAAAu+DjDP///wgAAAAAAAAAAAAAAAAAAAAAAAAAAAAAAAAAAAAAZAAAAAEAAABAAAAAAAAAAAAAAAAAAAAAAAAAAAAAAAAAAAAAAAAAAAAAAAAAAAAAAAAAAAAAAAAAAAAAAAAAAAAAAAAAAAAAAAAAAAAAAAAAAAAAAAAAAAAAAAAAAAAAFAAAADwAAAAAAAAAAAAAAAAAAAkUAAAAAQAAABQAAAAUAAAAFAAAAAEAAAAAAAAAZAAAAGQAAAAAAAAAZAAAAGQAAAAVAAAAYAAAAAAAAAAAAAAADwAAACADAAAAAAAAAAAAAAEAAACgMgAAVgcAAKr4//8BAAAAf39/AAEAAABkAAAAAAAAABQAAABAHwAAAAAAACYAAAAAAAAAwOD//wAAAAAmAAAAZAAAABYAAABMAAAAAAAAAAAAAAAEAAAAAAAAAAEAAACAgIAKAAAAACgAAAAoAAAAZAAAAGQAAAAAAAAAzMzMAAAAAABQAAAAUAAAAGQAAABkAAAAAAAAABcAAAAUAAAAAAAAANwIAAD/fwAA/38AAAAAAAAJAAAABAAAAG0WAAAMAAAAEAAAAAAAAAAAAAAAAAAAAAAAAAAeAAAAaAAAAAAAAAAAAAAAAAAAAAAAAAAAAAAAECcAABAnAAAAAAAAAAAAAAAAAAAAAAAAAAAAAAAAAAAAAAAAAAAAABQAAAAAAAAAwMD/AAAAAABkAAAAMgAAAAAAAABkAAAAAAAAAH9/fwAKAAAAHwAAAFQAAAC74OMF////AQAAAAAAAAAAAAAAAAAAAAAAAAAAAAAAAAAAAAAAAAAAAAAAAn9/fwCAgIADzMzMAMDA/wB/f38AAAAAAAAAAAAAAAAAAAAAAAAAAAAhAAAAGAAAABQAAABqBAAA4QgAABY0AABAHAAAEAAAACYAAAAIAAAA//////////8="/>
+                <pr:smNativeData xmlns:pr="smNativeData" val="SMDATA_13_gcGAXRMAAAAlAAAAEgAAAA8BAAAAkAAAAEgAAACQAAAASAAAAAAAAAAAAAAAAAAAAAEAAABQAAAAAAAAAAAA4D8AAAAAAADgPwAAAAAAAOA/AAAAAAAA4D8AAAAAAADgPwAAAAAAAOA/AAAAAAAA4D8AAAAAAADgPwAAAAAAAOA/AAAAAAAA4D8CAAAAjAAAAAAAAAAAAAAAu+DjDP///wgAAAAAAAAAAAAAAAAAAAAAAAAAAAAAAAAAAAAAZAAAAAEAAABAAAAAAAAAAAAAAAAAAAAAAAAAAAAAAAAAAAAAAAAAAAAAAAAAAAAAAAAAAAAAAAAAAAAAAAAAAAAAAAAAAAAAAAAAAAAAAAAAAAAAAAAAAAAAAAAAAAAAFAAAADwAAAAAAAAAAAAAAAAAAAkUAAAAAQAAABQAAAAUAAAAFAAAAAEAAAAAAAAAZAAAAGQAAAAAAAAAZAAAAGQAAAAVAAAAYAAAAAAAAAAAAAAADwAAACADAAAAAAAAAAAAAAEAAACgMgAAVgcAAKr4//8BAAAAf39/AAEAAABkAAAAAAAAABQAAABAHwAAAAAAACYAAAAAAAAAwOD//wAAAAAmAAAAZAAAABYAAABMAAAAAAAAAAAAAAAEAAAAAAAAAAEAAACAgIAKAAAAACgAAAAoAAAAZAAAAGQAAAAAAAAAzMzMAAAAAABQAAAAUAAAAGQAAABkAAAAAAAAABcAAAAUAAAAAAAAANwIAAD/fwAA/38AAAAAAAAJAAAABAAAAG0WAAAMAAAAEAAAAAAAAAAAAAAAAAAAAAAAAAAeAAAAaAAAAAAAAAAAAAAAAAAAAAAAAAAAAAAAECcAABAnAAAAAAAAAAAAAAAAAAAAAAAAAAAAAAAAAAAAAAAAAAAAABQAAAAAAAAAwMD/AAAAAABkAAAAMgAAAAAAAABkAAAAAAAAAH9/fwAKAAAAHwAAAFQAAAC74OMF////AQAAAAAAAAAAAAAAAAAAAAAAAAAAAAAAAAAAAAAAAAAAAAAAAn9/fwCAgIADzMzMAMDA/wB/f38AAAAAAAAAAAAAAAAAAAAAAAAAAAAhAAAAGAAAABQAAABqBAAA4QgAABY0AABAHAAAEAAAACYAAAAIAAAA//////////8="/>
               </a:ext>
             </a:extLst>
           </p:cNvSpPr>
@@ -11606,7 +11606,7 @@
           <p:cNvSpPr>
             <a:extLst>
               <a:ext uri="smNativeData">
-                <pr:smNativeData xmlns:pr="smNativeData" val="SMDATA_13_IrKAXRMAAAAlAAAAZAAAAA8BAAAAkAAAAEgAAACQAAAASAAAAAAAAAAAAAAAAAAAAAEAAABQAAAAAAAAAAAA4D8AAAAAAADgPwAAAAAAAOA/AAAAAAAA4D8AAAAAAADgPwAAAAAAAOA/AAAAAAAA4D8AAAAAAADgPwAAAAAAAOA/AAAAAAAA4D8CAAAAjAAAAAEAAAAAAAAAHh4eAP///wgAAAAAAAAAAAAAAAAAAAAAAAAAAAAAAAAAAAAAZAAAAAEAAABAAAAAAAAAAAAAAAAAAAAAAAAAAAAAAAAAAAAAAAAAAAAAAAAAAAAAAAAAAAAAAAAAAAAAAAAAAAAAAAAAAAAAAAAAAAAAAAAAAAAAAAAAAAAAAAAAAAAAFAAAADwAAAAAAAAAAAAAAAAAAAkAAAAAAQAAAAAAAAAAAAAAAAAAAAAAAAAAAAAAZAAAAGQAAAAAAAAAZAAAAGQAAAAVAAAAYAAAAAAAAAAAAAAADwAAACADAAAAAAAAAAAAAAEAAACgMgAAAAAAAAAAAAABAAAAf39/AAEAAABkAAAAAAAAABQAAABAHwAAAAAAACYAAAAAAAAAwOD//wAAAAAmAAAAZAAAABYAAABMAAAAAAAAAAAAAAAEAAAAAAAAAAEAAACAgIAKAAAAACgAAAAoAAAAZAAAAGQAAAAAAAAAzMzMAAAAAABQAAAAUAAAAGQAAABkAAAAAAAAABcAAAAUAAAAAAAAAAAAAAD/fwAA/38AAAAAAAAJAAAABAAAAAAAAAAMAAAAEAAAAAAAAAAAAAAAAAAAAAAAAAAeAAAAaAAAAAAAAAAAAAAAAAAAAAAAAAAAAAAAECcAABAnAAAAAAAAAAAAAAAAAAAAAAAAAAAAAAAAAAAAAAAAAAAAABQAAAAAAAAAwMD/AAAAAABkAAAAMgAAAAAAAABkAAAAAAAAAH9/fwAKAAAAHwAAAFQAAAAeHh4A////AQAAAAAAAAAAAAAAAAAAAAAAAAAAAAAAAAAAAAAAAAAAAAAAAn9/fwCAgIADzMzMAMDA/wB/f38AAAAAAAAAAAAAAAAAAAAAAAAAAAAhAAAAGAAAABQAAAAAAAAAZQcAAEA4AAC4CAAAEAAAACYAAAAIAAAA//////////8="/>
+                <pr:smNativeData xmlns:pr="smNativeData" val="SMDATA_13_gcGAXRMAAAAlAAAAZAAAAA8BAAAAkAAAAEgAAACQAAAASAAAAAAAAAAAAAAAAAAAAAEAAABQAAAAAAAAAAAA4D8AAAAAAADgPwAAAAAAAOA/AAAAAAAA4D8AAAAAAADgPwAAAAAAAOA/AAAAAAAA4D8AAAAAAADgPwAAAAAAAOA/AAAAAAAA4D8CAAAAjAAAAAEAAAAAAAAAHh4eAP///wgAAAAAAAAAAAAAAAAAAAAAAAAAAAAAAAAAAAAAZAAAAAEAAABAAAAAAAAAAAAAAAAAAAAAAAAAAAAAAAAAAAAAAAAAAAAAAAAAAAAAAAAAAAAAAAAAAAAAAAAAAAAAAAAAAAAAAAAAAAAAAAAAAAAAAAAAAAAAAAAAAAAAFAAAADwAAAAAAAAAAAAAAAAAAAkAAAAAAQAAAAAAAAAAAAAAAAAAAAAAAAAAAAAAZAAAAGQAAAAAAAAAZAAAAGQAAAAVAAAAYAAAAAAAAAAAAAAADwAAACADAAAAAAAAAAAAAAEAAACgMgAAAAAAAAAAAAABAAAAf39/AAEAAABkAAAAAAAAABQAAABAHwAAAAAAACYAAAAAAAAAwOD//wAAAAAmAAAAZAAAABYAAABMAAAAAAAAAAAAAAAEAAAAAAAAAAEAAACAgIAKAAAAACgAAAAoAAAAZAAAAGQAAAAAAAAAzMzMAAAAAABQAAAAUAAAAGQAAABkAAAAAAAAABcAAAAUAAAAAAAAAAAAAAD/fwAA/38AAAAAAAAJAAAABAAAAAAAAAAMAAAAEAAAAAAAAAAAAAAAAAAAAAAAAAAeAAAAaAAAAAAAAAAAAAAAAAAAAAAAAAAAAAAAECcAABAnAAAAAAAAAAAAAAAAAAAAAAAAAAAAAAAAAAAAAAAAAAAAABQAAAAAAAAAwMD/AAAAAABkAAAAMgAAAAAAAABkAAAAAAAAAH9/fwAKAAAAHwAAAFQAAAAeHh4A////AQAAAAAAAAAAAAAAAAAAAAAAAAAAAAAAAAAAAAAAAAAAAAAAAn9/fwCAgIADzMzMAMDA/wB/f38AAAAAAAAAAAAAAAAAAAAAAAAAAAAhAAAAGAAAABQAAAAAAAAAZQcAAEA4AAC4CAAAEAAAACYAAAAIAAAA//////////8="/>
               </a:ext>
             </a:extLst>
           </p:cNvSpPr>
@@ -11675,7 +11675,7 @@
           <p:cNvSpPr>
             <a:extLst>
               <a:ext uri="smNativeData">
-                <pr:smNativeData xmlns:pr="smNativeData" val="SMDATA_13_IrKAXRMAAAAlAAAAZAAAAA8BAAAAkAAAAEgAAACQAAAASAAAAAAAAAABAAAAAAAAAAEAAABQAAAAAAAAAAAA4D8AAAAAAADgPwAAAAAAAOA/AAAAAAAA4D8AAAAAAADgPwAAAAAAAOA/AAAAAAAA4D8AAAAAAADgPwAAAAAAAOA/AAAAAAAA4D8CAAAAjAAAAAAAAAAAAAAAu+DjDP///wgAAAAAAAAAAAAAAAAAAAAAAAAAAAAAAAAAAAAAZAAAAAEAAABAAAAAAAAAAAAAAAAAAAAAAAAAAAAAAAAAAAAAAAAAAAAAAAAAAAAAAAAAAAAAAAAAAAAAAAAAAAAAAAAAAAAAAAAAAAAAAAAAAAAAAAAAAAAAAAAAAAAAFAAAADwAAAAAAAAAAAAAAAAAAAkUAAAAAQAAABQAAAAUAAAAFAAAAAEAAAAAAAAAZAAAAGQAAAAAAAAAZAAAAGQAAAAVAAAAYAAAAAAAAAAAAAAADwAAACADAAAAAAAAAAAAAAEAAACgMgAAVgcAAKr4//8BAAAAf39/AAEAAABkAAAAAAAAABQAAABAHwAAAAAAACYAAAAAAAAAwOD//wAAAAAmAAAAZAAAABYAAABMAAAAAAAAAAAAAAAEAAAAAAAAAAEAAACAgIAKAAAAACgAAAAoAAAAZAAAAGQAAAAAAAAAzMzMAAAAAABQAAAAUAAAAGQAAABkAAAAAAAAABcAAAAUAAAAAAAAAAAAAAD/fwAA/38AAAAAAAAJAAAABAAAAPCptwMMAAAAEAAAAAAAAAAAAAAAAAAAAAAAAAAeAAAAaAAAAAAAAAAAAAAAAAAAAAAAAAAAAAAAECcAABAnAAAAAAAAAAAAAAAAAAAAAAAAAAAAAAAAAAAAAAAAAAAAABQAAAAAAAAAwMD/AAAAAABkAAAAMgAAAAAAAABkAAAAAAAAAH9/fwAKAAAAHwAAAFQAAAC74OMF////AQAAAAAAAAAAAAAAAAAAAAAAAAAAAAAAAAAAAAAAAAAAAAAAAn9/fwCAgIADzMzMAMDA/wB/f38AAAAAAAAAAAAAAAAAAAAAAAAAAAAhAAAAGAAAABQAAABqBAAAiAMAABY0AAAoBwAAEAAAACYAAAAIAAAA//////////8="/>
+                <pr:smNativeData xmlns:pr="smNativeData" val="SMDATA_13_gcGAXRMAAAAlAAAAZAAAAA8BAAAAkAAAAEgAAACQAAAASAAAAAAAAAABAAAAAAAAAAEAAABQAAAAAAAAAAAA4D8AAAAAAADgPwAAAAAAAOA/AAAAAAAA4D8AAAAAAADgPwAAAAAAAOA/AAAAAAAA4D8AAAAAAADgPwAAAAAAAOA/AAAAAAAA4D8CAAAAjAAAAAAAAAAAAAAAu+DjDP///wgAAAAAAAAAAAAAAAAAAAAAAAAAAAAAAAAAAAAAZAAAAAEAAABAAAAAAAAAAAAAAAAAAAAAAAAAAAAAAAAAAAAAAAAAAAAAAAAAAAAAAAAAAAAAAAAAAAAAAAAAAAAAAAAAAAAAAAAAAAAAAAAAAAAAAAAAAAAAAAAAAAAAFAAAADwAAAAAAAAAAAAAAAAAAAkUAAAAAQAAABQAAAAUAAAAFAAAAAEAAAAAAAAAZAAAAGQAAAAAAAAAZAAAAGQAAAAVAAAAYAAAAAAAAAAAAAAADwAAACADAAAAAAAAAAAAAAEAAACgMgAAVgcAAKr4//8BAAAAf39/AAEAAABkAAAAAAAAABQAAABAHwAAAAAAACYAAAAAAAAAwOD//wAAAAAmAAAAZAAAABYAAABMAAAAAAAAAAAAAAAEAAAAAAAAAAEAAACAgIAKAAAAACgAAAAoAAAAZAAAAGQAAAAAAAAAzMzMAAAAAABQAAAAUAAAAGQAAABkAAAAAAAAABcAAAAUAAAAAAAAAAAAAAD/fwAA/38AAAAAAAAJAAAABAAAAPCptwMMAAAAEAAAAAAAAAAAAAAAAAAAAAAAAAAeAAAAaAAAAAAAAAAAAAAAAAAAAAAAAAAAAAAAECcAABAnAAAAAAAAAAAAAAAAAAAAAAAAAAAAAAAAAAAAAAAAAAAAABQAAAAAAAAAwMD/AAAAAABkAAAAMgAAAAAAAABkAAAAAAAAAH9/fwAKAAAAHwAAAFQAAAC74OMF////AQAAAAAAAAAAAAAAAAAAAAAAAAAAAAAAAAAAAAAAAAAAAAAAAn9/fwCAgIADzMzMAMDA/wB/f38AAAAAAAAAAAAAAAAAAAAAAAAAAAAhAAAAGAAAABQAAABqBAAAiAMAABY0AAAoBwAAEAAAACYAAAAIAAAA//////////8="/>
               </a:ext>
             </a:extLst>
           </p:cNvSpPr>
@@ -11721,7 +11721,7 @@
           <p:cNvSpPr txBox="1">
             <a:extLst>
               <a:ext uri="smNativeData">
-                <pr:smNativeData xmlns:pr="smNativeData" val="SMDATA_13_IrKAXRMAAAAlAAAAEgAAAA8BAAAAkAAAAEgAAACQAAAASAAAAAAAAAAAAAAAAAAAAAEAAABQAAAAAAAAAAAA4D8AAAAAAADgPwAAAAAAAOA/AAAAAAAA4D8AAAAAAADgPwAAAAAAAOA/AAAAAAAA4D8AAAAAAADgPwAAAAAAAOA/AAAAAAAA4D8CAAAAjAAAAAAAAAAAAAAAu+DjDP///wgAAAAAAAAAAAAAAAAAAAAAAAAAAAAAAAAAAAAAZAAAAAEAAABAAAAAAAAAAAAAAAAAAAAAAAAAAAAAAAAAAAAAAAAAAAAAAAAAAAAAAAAAAAAAAAAAAAAAAAAAAAAAAAAAAAAAAAAAAAAAAAAAAAAAAAAAAAAAAAAAAAAAFAAAADwAAAAAAAAAAAAAAAAAAAkUAAAAAQAAABQAAAAUAAAAFAAAAAEAAAAAAAAAZAAAAGQAAAAAAAAAZAAAAGQAAAAVAAAAYAAAAAAAAAAAAAAADwAAACADAAAAAAAAAAAAAAEAAACgMgAAVgcAAKr4//8BAAAAf39/AAEAAABkAAAAAAAAABQAAABAHwAAAAAAACYAAAAAAAAAwOD//wAAAAAmAAAAZAAAABYAAABMAAAAAAAAAAAAAAAEAAAAAAAAAAEAAACAgIAKAAAAACgAAAAoAAAAZAAAAGQAAAAAAAAAzMzMAAAAAABQAAAAUAAAAGQAAABkAAAAAAAAABcAAAAUAAAAAAAAANwIAAD/fwAA/38AAAAAAAAJAAAABAAAAIwXAAAMAAAAEAAAAAAAAAAAAAAAAAAAAAAAAAAeAAAAaAAAAAAAAAAAAAAAAAAAAAAAAAAAAAAAECcAABAnAAAAAAAAAAAAAAAAAAAAAAAAAAAAAAAAAAAAAAAAAAAAABQAAAAAAAAAwMD/AAAAAABkAAAAMgAAAAAAAABkAAAAAAAAAH9/fwAKAAAAHwAAAFQAAAC74OMF////AQAAAAAAAAAAAAAAAAAAAAAAAAAAAAAAAAAAAAAAAAAAAAAAAn9/fwCAgIADzMzMAMDA/wB/f38AAAAAAAAAAAAAAAAAAAAAAAAAAAAhAAAAGAAAABQAAABqBAAA4QgAABY0AABtEAAAEAAAACYAAAAIAAAA//////////8="/>
+                <pr:smNativeData xmlns:pr="smNativeData" val="SMDATA_13_gcGAXRMAAAAlAAAAEgAAAA8BAAAAkAAAAEgAAACQAAAASAAAAAAAAAAAAAAAAAAAAAEAAABQAAAAAAAAAAAA4D8AAAAAAADgPwAAAAAAAOA/AAAAAAAA4D8AAAAAAADgPwAAAAAAAOA/AAAAAAAA4D8AAAAAAADgPwAAAAAAAOA/AAAAAAAA4D8CAAAAjAAAAAAAAAAAAAAAu+DjDP///wgAAAAAAAAAAAAAAAAAAAAAAAAAAAAAAAAAAAAAZAAAAAEAAABAAAAAAAAAAAAAAAAAAAAAAAAAAAAAAAAAAAAAAAAAAAAAAAAAAAAAAAAAAAAAAAAAAAAAAAAAAAAAAAAAAAAAAAAAAAAAAAAAAAAAAAAAAAAAAAAAAAAAFAAAADwAAAAAAAAAAAAAAAAAAAkUAAAAAQAAABQAAAAUAAAAFAAAAAEAAAAAAAAAZAAAAGQAAAAAAAAAZAAAAGQAAAAVAAAAYAAAAAAAAAAAAAAADwAAACADAAAAAAAAAAAAAAEAAACgMgAAVgcAAKr4//8BAAAAf39/AAEAAABkAAAAAAAAABQAAABAHwAAAAAAACYAAAAAAAAAwOD//wAAAAAmAAAAZAAAABYAAABMAAAAAAAAAAAAAAAEAAAAAAAAAAEAAACAgIAKAAAAACgAAAAoAAAAZAAAAGQAAAAAAAAAzMzMAAAAAABQAAAAUAAAAGQAAABkAAAAAAAAABcAAAAUAAAAAAAAANwIAAD/fwAA/38AAAAAAAAJAAAABAAAAIwXAAAMAAAAEAAAAAAAAAAAAAAAAAAAAAAAAAAeAAAAaAAAAAAAAAAAAAAAAAAAAAAAAAAAAAAAECcAABAnAAAAAAAAAAAAAAAAAAAAAAAAAAAAAAAAAAAAAAAAAAAAABQAAAAAAAAAwMD/AAAAAABkAAAAMgAAAAAAAABkAAAAAAAAAH9/fwAKAAAAHwAAAFQAAAC74OMF////AQAAAAAAAAAAAAAAAAAAAAAAAAAAAAAAAAAAAAAAAAAAAAAAAn9/fwCAgIADzMzMAMDA/wB/f38AAAAAAAAAAAAAAAAAAAAAAAAAAAAhAAAAGAAAABQAAABqBAAA4QgAABY0AABtEAAAEAAAACYAAAAIAAAA//////////8="/>
               </a:ext>
             </a:extLst>
           </p:cNvSpPr>
@@ -11809,7 +11809,7 @@
           <p:cNvSpPr>
             <a:extLst>
               <a:ext uri="smNativeData">
-                <pr:smNativeData xmlns:pr="smNativeData" val="SMDATA_13_IrKAXRMAAAAlAAAAZAAAAA8BAAAAkAAAAEgAAACQAAAASAAAAAAAAAAAAAAAAAAAAAEAAABQAAAAAAAAAAAA4D8AAAAAAADgPwAAAAAAAOA/AAAAAAAA4D8AAAAAAADgPwAAAAAAAOA/AAAAAAAA4D8AAAAAAADgPwAAAAAAAOA/AAAAAAAA4D8CAAAAjAAAAAEAAAAAAAAAubm5AP///wgAAAAAAAAAAAAAAAAAAAAAAAAAAAAAAAAAAAAAZAAAAAEAAABAAAAAAAAAAAAAAAAAAAAAAAAAAAAAAAAAAAAAAAAAAAAAAAAAAAAAAAAAAAAAAAAAAAAAAAAAAAAAAAAAAAAAAAAAAAAAAAAAAAAAAAAAAAAAAAAAAAAAFAAAADwAAAABAAAAAAAAAB4eHgA8AAAAAQAAAAMAAAAAAAAAAAAAAAAAAAAAAAAAZAAAAGQAAAAAAAAAZAAAAGQAAAAVAAAAYAAAAAAAAAAAAAAADwAAACADAAAAAAAAAAAAAAEAAACgMgAAAAAAAAAAAAABAAAAf39/AAEAAABkAAAAAAAAABQAAABAHwAAAAAAACYAAAAAAAAAwOD//wAAAAAmAAAAZAAAABYAAABMAAAAAAAAAAAAAAAEAAAAAAAAAAEAAACAgIAKAAAAACgAAAAoAAAAZAAAAGQAAAAAAAAAzMzMAAAAAABQAAAAUAAAAGQAAABkAAAAAAAAABcAAAAUAAAAAAAAAAAAAAD/fwAA/38AAAAAAAAJAAAABAAAAPCptwMMAAAAEAAAAAAAAAAAAAAAAAAAAAAAAAAeAAAAaAAAAAAAAAAAAAAAAAAAAAAAAAAAAAAAECcAABAnAAAAAAAAAAAAAAAAAAAAAAAAAAAAAAAAAAAAAAAAAAAAABQAAAAAAAAAwMD/AAAAAABkAAAAMgAAAAAAAABkAAAAAAAAAH9/fwAKAAAAHwAAAFQAAAC5ubkA////AQAAAAAAAAAAAAAAAAAAAAAAAAAAAAAAAAAAAAAAAAAAHh4eAH9/fwCAgIADzMzMAMDA/wB/f38AAAAAAAAAAAAAAAAAAAAAAAAAAAAhAAAAGAAAABQAAAB6CwAAExMAAAsaAAAlKQAAEAAAACYAAAAIAAAA//////////8="/>
+                <pr:smNativeData xmlns:pr="smNativeData" val="SMDATA_13_gcGAXRMAAAAlAAAAZAAAAA8BAAAAkAAAAEgAAACQAAAASAAAAAAAAAAAAAAAAAAAAAEAAABQAAAAAAAAAAAA4D8AAAAAAADgPwAAAAAAAOA/AAAAAAAA4D8AAAAAAADgPwAAAAAAAOA/AAAAAAAA4D8AAAAAAADgPwAAAAAAAOA/AAAAAAAA4D8CAAAAjAAAAAEAAAAAAAAAubm5AP///wgAAAAAAAAAAAAAAAAAAAAAAAAAAAAAAAAAAAAAZAAAAAEAAABAAAAAAAAAAAAAAAAAAAAAAAAAAAAAAAAAAAAAAAAAAAAAAAAAAAAAAAAAAAAAAAAAAAAAAAAAAAAAAAAAAAAAAAAAAAAAAAAAAAAAAAAAAAAAAAAAAAAAFAAAADwAAAABAAAAAAAAAB4eHgA8AAAAAQAAAAMAAAAAAAAAAAAAAAAAAAAAAAAAZAAAAGQAAAAAAAAAZAAAAGQAAAAVAAAAYAAAAAAAAAAAAAAADwAAACADAAAAAAAAAAAAAAEAAACgMgAAAAAAAAAAAAABAAAAf39/AAEAAABkAAAAAAAAABQAAABAHwAAAAAAACYAAAAAAAAAwOD//wAAAAAmAAAAZAAAABYAAABMAAAAAAAAAAAAAAAEAAAAAAAAAAEAAACAgIAKAAAAACgAAAAoAAAAZAAAAGQAAAAAAAAAzMzMAAAAAABQAAAAUAAAAGQAAABkAAAAAAAAABcAAAAUAAAAAAAAAAAAAAD/fwAA/38AAAAAAAAJAAAABAAAAPCptwMMAAAAEAAAAAAAAAAAAAAAAAAAAAAAAAAeAAAAaAAAAAAAAAAAAAAAAAAAAAAAAAAAAAAAECcAABAnAAAAAAAAAAAAAAAAAAAAAAAAAAAAAAAAAAAAAAAAAAAAABQAAAAAAAAAwMD/AAAAAABkAAAAMgAAAAAAAABkAAAAAAAAAH9/fwAKAAAAHwAAAFQAAAC5ubkA////AQAAAAAAAAAAAAAAAAAAAAAAAAAAAAAAAAAAAAAAAAAAHh4eAH9/fwCAgIADzMzMAMDA/wB/f38AAAAAAAAAAAAAAAAAAAAAAAAAAAAhAAAAGAAAABQAAAB6CwAAExMAAAsaAAAlKQAAEAAAACYAAAAIAAAA//////////8="/>
               </a:ext>
             </a:extLst>
           </p:cNvSpPr>
@@ -11843,7 +11843,7 @@
           <p:cNvSpPr>
             <a:extLst>
               <a:ext uri="smNativeData">
-                <pr:smNativeData xmlns:pr="smNativeData" val="SMDATA_13_IrKAXRMAAAAlAAAAZAAAAA8BAAAAkAAAAEgAAACQAAAASAAAAAAAAAAAAAAAAAAAAAEAAABQAAAAAAAAAAAA4D8AAAAAAADgPwAAAAAAAOA/AAAAAAAA4D8AAAAAAADgPwAAAAAAAOA/AAAAAAAA4D8AAAAAAADgPwAAAAAAAOA/AAAAAAAA4D8CAAAAjAAAAAEAAAAAAAAA0+qqAP///wgAAAAAAAAAAAAAAAAAAAAAAAAAAAAAAAAAAAAAZAAAAAEAAABAAAAAAAAAAAAAAAAAAAAAAAAAAAAAAAAAAAAAAAAAAAAAAAAAAAAAAAAAAAAAAAAAAAAAAAAAAAAAAAAAAAAAAAAAAAAAAAAAAAAAAAAAAAAAAAAAAAAAFAAAADwAAAABAAAAAAAAAB4eHgA8AAAAAQAAAAMAAAAAAAAAAAAAAAAAAAAAAAAAZAAAAGQAAAAAAAAAZAAAAGQAAAAVAAAAYAAAAAAAAAAAAAAADwAAACADAAAAAAAAAAAAAAEAAACgMgAAAAAAAAAAAAABAAAAf39/AAEAAABkAAAAAAAAABQAAABAHwAAAAAAACYAAAAAAAAAwOD//wAAAAAmAAAAZAAAABYAAABMAAAAAAAAAAAAAAAEAAAAAAAAAAEAAACAgIAKAAAAACgAAAAoAAAAZAAAAGQAAAAAAAAAzMzMAAAAAABQAAAAUAAAAGQAAABkAAAAAAAAABcAAAAUAAAAAAAAAAAAAAD/fwAA/38AAAAAAAAJAAAABAAAAHlsZT4MAAAAEAAAAAAAAAAAAAAAAAAAAAAAAAAeAAAAaAAAAAAAAAAAAAAAAAAAAAAAAAAAAAAAECcAABAnAAAAAAAAAAAAAAAAAAAAAAAAAAAAAAAAAAAAAAAAAAAAABQAAAAAAAAAwMD/AAAAAABkAAAAMgAAAAAAAABkAAAAAAAAAH9/fwAKAAAAHwAAAFQAAADT6qoA////AQAAAAAAAAAAAAAAAAAAAAAAAAAAAAAAAAAAAAAAAAAAHh4eAH9/fwCAgIADzMzMAMDA/wB/f38AAAAAAAAAAAAAAAAAAAAAAAAAAAAhAAAAGAAAABQAAADmHgAAExMAAHctAAAlKQAAEAAAACYAAAAIAAAA//////////8="/>
+                <pr:smNativeData xmlns:pr="smNativeData" val="SMDATA_13_gcGAXRMAAAAlAAAAZAAAAA8BAAAAkAAAAEgAAACQAAAASAAAAAAAAAAAAAAAAAAAAAEAAABQAAAAAAAAAAAA4D8AAAAAAADgPwAAAAAAAOA/AAAAAAAA4D8AAAAAAADgPwAAAAAAAOA/AAAAAAAA4D8AAAAAAADgPwAAAAAAAOA/AAAAAAAA4D8CAAAAjAAAAAEAAAAAAAAA0+qqAP///wgAAAAAAAAAAAAAAAAAAAAAAAAAAAAAAAAAAAAAZAAAAAEAAABAAAAAAAAAAAAAAAAAAAAAAAAAAAAAAAAAAAAAAAAAAAAAAAAAAAAAAAAAAAAAAAAAAAAAAAAAAAAAAAAAAAAAAAAAAAAAAAAAAAAAAAAAAAAAAAAAAAAAFAAAADwAAAABAAAAAAAAAB4eHgA8AAAAAQAAAAMAAAAAAAAAAAAAAAAAAAAAAAAAZAAAAGQAAAAAAAAAZAAAAGQAAAAVAAAAYAAAAAAAAAAAAAAADwAAACADAAAAAAAAAAAAAAEAAACgMgAAAAAAAAAAAAABAAAAf39/AAEAAABkAAAAAAAAABQAAABAHwAAAAAAACYAAAAAAAAAwOD//wAAAAAmAAAAZAAAABYAAABMAAAAAAAAAAAAAAAEAAAAAAAAAAEAAACAgIAKAAAAACgAAAAoAAAAZAAAAGQAAAAAAAAAzMzMAAAAAABQAAAAUAAAAGQAAABkAAAAAAAAABcAAAAUAAAAAAAAAAAAAAD/fwAA/38AAAAAAAAJAAAABAAAAHlsZT4MAAAAEAAAAAAAAAAAAAAAAAAAAAAAAAAeAAAAaAAAAAAAAAAAAAAAAAAAAAAAAAAAAAAAECcAABAnAAAAAAAAAAAAAAAAAAAAAAAAAAAAAAAAAAAAAAAAAAAAABQAAAAAAAAAwMD/AAAAAABkAAAAMgAAAAAAAABkAAAAAAAAAH9/fwAKAAAAHwAAAFQAAADT6qoA////AQAAAAAAAAAAAAAAAAAAAAAAAAAAAAAAAAAAAAAAAAAAHh4eAH9/fwCAgIADzMzMAMDA/wB/f38AAAAAAAAAAAAAAAAAAAAAAAAAAAAhAAAAGAAAABQAAADmHgAAExMAAHctAAAlKQAAEAAAACYAAAAIAAAA//////////8="/>
               </a:ext>
             </a:extLst>
           </p:cNvSpPr>
@@ -11877,7 +11877,7 @@
           <p:cNvSpPr txBox="1">
             <a:extLst>
               <a:ext uri="smNativeData">
-                <pr:smNativeData xmlns:pr="smNativeData" val="SMDATA_13_IrKAXRMAAAAlAAAAEgAAAE8BAAAAkAAAAEgAAACQAAAASAAAAAAAAAAAAAAAAAAAAAEAAABQAAAAAAAAAAAA4D8AAAAAAADgPwAAAAAAAOA/AAAAAAAA4D8AAAAAAADgPwAAAAAAAOA/AAAAAAAA4D8AAAAAAADgPwAAAAAAAOA/AAAAAAAA4D8CAAAAjAAAAAAAAAAAAAAAu+DjDP///wgAAAAAAAAAAAAAAAAAAAAAAAAAAAAAAAAAAAAAZAAAAAEAAABAAAAAAAAAAAAAAAAAAAAAAAAAAAAAAAAAAAAAAAAAAAAAAAAAAAAAAAAAAAAAAAAAAAAAAAAAAAAAAAAAAAAAAAAAAAAAAAAAAAAAAAAAAAAAAAAAAAAAFAAAADwAAAAAAAAAAAAAAAAAAAkUAAAAAQAAABQAAAAUAAAAFAAAAAEAAAAAAAAAZAAAAGQAAAAAAAAAZAAAAGQAAAAVAAAAYAAAAAAAAAAAAAAADwAAACADAAAAAAAAAAAAAAEAAACgMgAAVgcAAKr4//8BAAAAf39/AAEAAABkAAAAAAAAABQAAABAHwAAAAAAACYAAAAAAAAAwOD//wAAAAAmAAAAZAAAABYAAABMAAAAAAAAAAAAAAAEAAAAAAAAAAEAAACAgIAKAAAAACgAAAAoAAAAZAAAAGQAAAAAAAAAzMzMAAAAAABQAAAAUAAAAGQAAABkAAAAAAAAABcAAAAUAAAAAAAAANwIAAD/fwAA/38AAAAAAAAJAAAABAAAAEFBQUIMAAAAEAAAAAAAAAAAAAAAAAAAAAAAAAAeAAAAaAAAAAAAAAAAAAAAAAAAAAAAAAAAAAAAECcAABAnAAAAAAAAAAAAAAAAAAAAAAAAAAAAAAAAAAAAAAAAAAAAABQAAAAAAAAAwMD/AAAAAABkAAAAMgAAAAAAAABkAAAAAAAAAH9/fwAKAAAAHwAAAFQAAAC74OMF////AQAAAAAAAAAAAAAAAAAAAAAAAAAAAAAAAAAAAAAAAAAAAAAAAn9/fwCAgIADzMzMAMDA/wB/f38AAAAAAAAAAAAAAAAAAAAAAAAAAAAhAAAAGAAAABQAAAByCwAA0xAAAAsaAAATEwAAECAAACYAAAAIAAAA//////////8="/>
+                <pr:smNativeData xmlns:pr="smNativeData" val="SMDATA_13_gcGAXRMAAAAlAAAAEgAAAE8BAAAAkAAAAEgAAACQAAAASAAAAAAAAAAAAAAAAAAAAAEAAABQAAAAAAAAAAAA4D8AAAAAAADgPwAAAAAAAOA/AAAAAAAA4D8AAAAAAADgPwAAAAAAAOA/AAAAAAAA4D8AAAAAAADgPwAAAAAAAOA/AAAAAAAA4D8CAAAAjAAAAAAAAAAAAAAAu+DjDP///wgAAAAAAAAAAAAAAAAAAAAAAAAAAAAAAAAAAAAAZAAAAAEAAABAAAAAAAAAAAAAAAAAAAAAAAAAAAAAAAAAAAAAAAAAAAAAAAAAAAAAAAAAAAAAAAAAAAAAAAAAAAAAAAAAAAAAAAAAAAAAAAAAAAAAAAAAAAAAAAAAAAAAFAAAADwAAAAAAAAAAAAAAAAAAAkUAAAAAQAAABQAAAAUAAAAFAAAAAEAAAAAAAAAZAAAAGQAAAAAAAAAZAAAAGQAAAAVAAAAYAAAAAAAAAAAAAAADwAAACADAAAAAAAAAAAAAAEAAACgMgAAVgcAAKr4//8BAAAAf39/AAEAAABkAAAAAAAAABQAAABAHwAAAAAAACYAAAAAAAAAwOD//wAAAAAmAAAAZAAAABYAAABMAAAAAAAAAAAAAAAEAAAAAAAAAAEAAACAgIAKAAAAACgAAAAoAAAAZAAAAGQAAAAAAAAAzMzMAAAAAABQAAAAUAAAAGQAAABkAAAAAAAAABcAAAAUAAAAAAAAANwIAAD/fwAA/38AAAAAAAAJAAAABAAAAEFBQUIMAAAAEAAAAAAAAAAAAAAAAAAAAAAAAAAeAAAAaAAAAAAAAAAAAAAAAAAAAAAAAAAAAAAAECcAABAnAAAAAAAAAAAAAAAAAAAAAAAAAAAAAAAAAAAAAAAAAAAAABQAAAAAAAAAwMD/AAAAAABkAAAAMgAAAAAAAABkAAAAAAAAAH9/fwAKAAAAHwAAAFQAAAC74OMF////AQAAAAAAAAAAAAAAAAAAAAAAAAAAAAAAAAAAAAAAAAAAAAAAAn9/fwCAgIADzMzMAMDA/wB/f38AAAAAAAAAAAAAAAAAAAAAAAAAAAAhAAAAGAAAABQAAAByCwAA0xAAAAsaAAATEwAAECAAACYAAAAIAAAA//////////8="/>
               </a:ext>
             </a:extLst>
           </p:cNvSpPr>
@@ -11923,7 +11923,7 @@
           <p:cNvSpPr txBox="1">
             <a:extLst>
               <a:ext uri="smNativeData">
-                <pr:smNativeData xmlns:pr="smNativeData" val="SMDATA_13_IrKAXRMAAAAlAAAAEgAAAE8BAAAAkAAAAEgAAACQAAAASAAAAAAAAAAAAAAAAAAAAAEAAABQAAAAAAAAAAAA4D8AAAAAAADgPwAAAAAAAOA/AAAAAAAA4D8AAAAAAADgPwAAAAAAAOA/AAAAAAAA4D8AAAAAAADgPwAAAAAAAOA/AAAAAAAA4D8CAAAAjAAAAAAAAAAAAAAAu+DjDP///wgAAAAAAAAAAAAAAAAAAAAAAAAAAAAAAAAAAAAAZAAAAAEAAABAAAAAAAAAAAAAAAAAAAAAAAAAAAAAAAAAAAAAAAAAAAAAAAAAAAAAAAAAAAAAAAAAAAAAAAAAAAAAAAAAAAAAAAAAAAAAAAAAAAAAAAAAAAAAAAAAAAAAFAAAADwAAAAAAAAAAAAAAAAAAAkUAAAAAQAAABQAAAAUAAAAFAAAAAEAAAAAAAAAZAAAAGQAAAAAAAAAZAAAAGQAAAAVAAAAYAAAAAAAAAAAAAAADwAAACADAAAAAAAAAAAAAAEAAACgMgAAVgcAAKr4//8BAAAAf39/AAEAAABkAAAAAAAAABQAAABAHwAAAAAAACYAAAAAAAAAwOD//wAAAAAmAAAAZAAAABYAAABMAAAAAAAAAAAAAAAEAAAAAAAAAAEAAACAgIAKAAAAACgAAAAoAAAAZAAAAGQAAAAAAAAAzMzMAAAAAABQAAAAUAAAAGQAAABkAAAAAAAAABcAAAAUAAAAAAAAANwIAAD/fwAA/38AAAAAAAAJAAAABAAAAPCptwMMAAAAEAAAAAAAAAAAAAAAAAAAAAAAAAAeAAAAaAAAAAAAAAAAAAAAAAAAAAAAAAAAAAAAECcAABAnAAAAAAAAAAAAAAAAAAAAAAAAAAAAAAAAAAAAAAAAAAAAABQAAAAAAAAAwMD/AAAAAABkAAAAMgAAAAAAAABkAAAAAAAAAH9/fwAKAAAAHwAAAFQAAAC74OMF////AQAAAAAAAAAAAAAAAAAAAAAAAAAAAAAAAAAAAAAAAAAAAAAAAn9/fwCAgIADzMzMAMDA/wB/f38AAAAAAAAAAAAAAAAAAAAAAAAAAAAhAAAAGAAAABQAAADeHgAA0xAAAHctAAATEwAAECAAACYAAAAIAAAA//////////8="/>
+                <pr:smNativeData xmlns:pr="smNativeData" val="SMDATA_13_gcGAXRMAAAAlAAAAEgAAAE8BAAAAkAAAAEgAAACQAAAASAAAAAAAAAAAAAAAAAAAAAEAAABQAAAAAAAAAAAA4D8AAAAAAADgPwAAAAAAAOA/AAAAAAAA4D8AAAAAAADgPwAAAAAAAOA/AAAAAAAA4D8AAAAAAADgPwAAAAAAAOA/AAAAAAAA4D8CAAAAjAAAAAAAAAAAAAAAu+DjDP///wgAAAAAAAAAAAAAAAAAAAAAAAAAAAAAAAAAAAAAZAAAAAEAAABAAAAAAAAAAAAAAAAAAAAAAAAAAAAAAAAAAAAAAAAAAAAAAAAAAAAAAAAAAAAAAAAAAAAAAAAAAAAAAAAAAAAAAAAAAAAAAAAAAAAAAAAAAAAAAAAAAAAAFAAAADwAAAAAAAAAAAAAAAAAAAkUAAAAAQAAABQAAAAUAAAAFAAAAAEAAAAAAAAAZAAAAGQAAAAAAAAAZAAAAGQAAAAVAAAAYAAAAAAAAAAAAAAADwAAACADAAAAAAAAAAAAAAEAAACgMgAAVgcAAKr4//8BAAAAf39/AAEAAABkAAAAAAAAABQAAABAHwAAAAAAACYAAAAAAAAAwOD//wAAAAAmAAAAZAAAABYAAABMAAAAAAAAAAAAAAAEAAAAAAAAAAEAAACAgIAKAAAAACgAAAAoAAAAZAAAAGQAAAAAAAAAzMzMAAAAAABQAAAAUAAAAGQAAABkAAAAAAAAABcAAAAUAAAAAAAAANwIAAD/fwAA/38AAAAAAAAJAAAABAAAAPCptwMMAAAAEAAAAAAAAAAAAAAAAAAAAAAAAAAeAAAAaAAAAAAAAAAAAAAAAAAAAAAAAAAAAAAAECcAABAnAAAAAAAAAAAAAAAAAAAAAAAAAAAAAAAAAAAAAAAAAAAAABQAAAAAAAAAwMD/AAAAAABkAAAAMgAAAAAAAABkAAAAAAAAAH9/fwAKAAAAHwAAAFQAAAC74OMF////AQAAAAAAAAAAAAAAAAAAAAAAAAAAAAAAAAAAAAAAAAAAAAAAAn9/fwCAgIADzMzMAMDA/wB/f38AAAAAAAAAAAAAAAAAAAAAAAAAAAAhAAAAGAAAABQAAADeHgAA0xAAAHctAAATEwAAECAAACYAAAAIAAAA//////////8="/>
               </a:ext>
             </a:extLst>
           </p:cNvSpPr>
@@ -11969,7 +11969,7 @@
           <p:cNvSpPr>
             <a:extLst>
               <a:ext uri="smNativeData">
-                <pr:smNativeData xmlns:pr="smNativeData" val="SMDATA_13_IrKAXRMAAAAlAAAAZAAAAA8BAAAAkAAAAEgAAACQAAAASAAAAAAAAAAAAAAAAAAAAAEAAABQAAAAAAAAAAAA4D8AAAAAAADgPwAAAAAAAOA/AAAAAAAA4D8AAAAAAADgPwAAAAAAAOA/AAAAAAAA4D8AAAAAAADgPwAAAAAAAOA/AAAAAAAA4D8CAAAAjAAAAAEAAAAAAAAAhlHdAP///wgAAAAAAAAAAAAAAAAAAAAAAAAAAAAAAAAAAAAAZAAAAAEAAABAAAAAAAAAAAAAAAAAAAAAAAAAAAAAAAAAAAAAAAAAAAAAAAAAAAAAAAAAAAAAAAAAAAAAAAAAAAAAAAAAAAAAAAAAAAAAAAAAAAAAAAAAAAAAAAAAAAAAFAAAADwAAAABAAAAAAAAADYKngAoAAAAAQAAAAIAAAAAAAAAAAAAAAAAAAAAAAAAZAAAAGQAAAAAAAAAZAAAAGQAAAAVAAAAYAAAAAAAAAAAAAAADwAAACADAAAAAAAAAAAAAAEAAACgMgAAAAAAAAAAAAABAAAAf39/AAEAAABkAAAAAAAAABQAAABAHwAAAAAAACYAAAAAAAAAwOD//wAAAAAmAAAAZAAAABYAAABMAAAAAAAAAAAAAAAEAAAAAAAAAAEAAACAgIAKAAAAACgAAAAoAAAAZAAAAGQAAAAAAAAAzMzMAAAAAABQAAAAUAAAAGQAAABkAAAAAAAAABcAAAAUAAAAAAAAAAAAAAD/fwAA/38AAAAAAAAJAAAABAAAAHBlPSIMAAAAEAAAAAAAAAAAAAAAAAAAAAAAAAAeAAAAaAAAAAAAAAAAAAAAAAAAAAAAAAAAAAAAECcAABAnAAAAAAAAAAAAAAAAAAAAAAAAAAAAAAAAAAAAAAAAAAAAABQAAAAAAAAAwMD/AAAAAABkAAAAMgAAAAAAAABkAAAAAAAAAH9/fwAKAAAAHwAAAFQAAACGUd0A////AQAAAAAAAAAAAAAAAAAAAAAAAAAAAAAAAAAAAAAAAAAANgqeAH9/fwCAgIADzMzMAMDA/wB/f38AAAAAAAAAAAAAAAAAAAAAAAAAAAAhAAAAGAAAABQAAAB9DQAAIhQAAEEPAADgFQAAEAAAACYAAAAIAAAA//////////8="/>
+                <pr:smNativeData xmlns:pr="smNativeData" val="SMDATA_13_gcGAXRMAAAAlAAAAZAAAAA8BAAAAkAAAAEgAAACQAAAASAAAAAAAAAAAAAAAAAAAAAEAAABQAAAAAAAAAAAA4D8AAAAAAADgPwAAAAAAAOA/AAAAAAAA4D8AAAAAAADgPwAAAAAAAOA/AAAAAAAA4D8AAAAAAADgPwAAAAAAAOA/AAAAAAAA4D8CAAAAjAAAAAEAAAAAAAAAhlHdAP///wgAAAAAAAAAAAAAAAAAAAAAAAAAAAAAAAAAAAAAZAAAAAEAAABAAAAAAAAAAAAAAAAAAAAAAAAAAAAAAAAAAAAAAAAAAAAAAAAAAAAAAAAAAAAAAAAAAAAAAAAAAAAAAAAAAAAAAAAAAAAAAAAAAAAAAAAAAAAAAAAAAAAAFAAAADwAAAABAAAAAAAAADYKngAoAAAAAQAAAAIAAAAAAAAAAAAAAAAAAAAAAAAAZAAAAGQAAAAAAAAAZAAAAGQAAAAVAAAAYAAAAAAAAAAAAAAADwAAACADAAAAAAAAAAAAAAEAAACgMgAAAAAAAAAAAAABAAAAf39/AAEAAABkAAAAAAAAABQAAABAHwAAAAAAACYAAAAAAAAAwOD//wAAAAAmAAAAZAAAABYAAABMAAAAAAAAAAAAAAAEAAAAAAAAAAEAAACAgIAKAAAAACgAAAAoAAAAZAAAAGQAAAAAAAAAzMzMAAAAAABQAAAAUAAAAGQAAABkAAAAAAAAABcAAAAUAAAAAAAAAAAAAAD/fwAA/38AAAAAAAAJAAAABAAAAHBlPSIMAAAAEAAAAAAAAAAAAAAAAAAAAAAAAAAeAAAAaAAAAAAAAAAAAAAAAAAAAAAAAAAAAAAAECcAABAnAAAAAAAAAAAAAAAAAAAAAAAAAAAAAAAAAAAAAAAAAAAAABQAAAAAAAAAwMD/AAAAAABkAAAAMgAAAAAAAABkAAAAAAAAAH9/fwAKAAAAHwAAAFQAAACGUd0A////AQAAAAAAAAAAAAAAAAAAAAAAAAAAAAAAAAAAAAAAAAAANgqeAH9/fwCAgIADzMzMAMDA/wB/f38AAAAAAAAAAAAAAAAAAAAAAAAAAAAhAAAAGAAAABQAAAB9DQAAIhQAAEEPAADgFQAAEAAAACYAAAAIAAAA//////////8="/>
               </a:ext>
             </a:extLst>
           </p:cNvSpPr>
@@ -12003,7 +12003,7 @@
           <p:cNvSpPr>
             <a:extLst>
               <a:ext uri="smNativeData">
-                <pr:smNativeData xmlns:pr="smNativeData" val="SMDATA_13_IrKAXRMAAAAlAAAAyAAAAA8BAAAAkAAAAEgAAACQAAAASAAAAAAAAAAAAAAAAAAAAAEAAABQAAAAAIIphXg83z8IPYQeQg/RPwAAAAAAAOA/AAAAAAAA4D8AAAAAAADgPwAAAAAAAOA/AAAAAAAA4D8AAAAAAADgPwAAAAAAAOA/AAAAAAAA4D8CAAAAjAAAAAEAAAAAAAAANgqeAP///wgAAAAAAAAAAAAAAAAAAAAAAAAAAAAAAAAAAAAAZAAAAAEAAABAAAAAAAAAAAAAAAAAAAAAAAAAAAAAAAAAAAAAAAAAAAAAAAAAAAAAAAAAAAAAAAAAAAAAAAAAAAAAAAAAAAAAAAAAAAAAAAAAAAAAAAAAAAAAAAAAAAAAFAAAADwAAAAAAAAAAAAAAAAAAAkAAAAAAQAAAAAAAAAAAAAAAAAAAAAAAAAAAAAAZAAAAGQAAAAAAAAAZAAAAGQAAAAVAAAAYAAAAAAAAAAAAAAADwAAACADAAAAAAAAAAAAAAEAAACgMgAAAAAAAAAAAAABAAAAf39/AAEAAABkAAAAAAAAABQAAABAHwAAAAAAACYAAAAAAAAAwOD//wAAAAAmAAAAZAAAABYAAABMAAAAAAAAAAAAAAAEAAAAAAAAAAEAAACAgIAKAAAAACgAAAAoAAAAZAAAAGQAAAAAAAAAzMzMAAAAAABQAAAAUAAAAGQAAABkAAAAAAAAABcAAAAUAAAAAAAAAAAAAAD/fwAA/38AAAAAAAAJAAAABAAAAC1yLW4MAAAAEAAAAAAAAAAAAAAAAAAAAAAAAAAeAAAAaAAAAAAAAAAAAAAAAAAAAAAAAAAAAAAAECcAABAnAAAAAAAAAAAAAAAAAAAAAAAAAAAAAAAAAAAAAAAAAAAAABQAAAAAAAAAwMD/AAAAAABkAAAAMgAAAAAAAABkAAAAAAAAAH9/fwAKAAAAHwAAAFQAAAA2Cp4A////AQAAAAAAAAAAAAAAAAAAAAAAAAAAAAAAAAAAAAAAAAAAAAAAAn9/fwCAgIADzMzMAMDA/wB/f38AAAAAAAAAAAAAAAAAAAAAAAAAAAAhAAAAGAAAABQAAACrDgAAgBQAAOAQAACwFQAAEAAAACYAAAAIAAAA//////////8="/>
+                <pr:smNativeData xmlns:pr="smNativeData" val="SMDATA_13_gcGAXRMAAAAlAAAAyAAAAA8BAAAAkAAAAEgAAACQAAAASAAAAAAAAAAAAAAAAAAAAAEAAABQAAAAAIIphXg83z8IPYQeQg/RPwAAAAAAAOA/AAAAAAAA4D8AAAAAAADgPwAAAAAAAOA/AAAAAAAA4D8AAAAAAADgPwAAAAAAAOA/AAAAAAAA4D8CAAAAjAAAAAEAAAAAAAAANgqeAP///wgAAAAAAAAAAAAAAAAAAAAAAAAAAAAAAAAAAAAAZAAAAAEAAABAAAAAAAAAAAAAAAAAAAAAAAAAAAAAAAAAAAAAAAAAAAAAAAAAAAAAAAAAAAAAAAAAAAAAAAAAAAAAAAAAAAAAAAAAAAAAAAAAAAAAAAAAAAAAAAAAAAAAFAAAADwAAAAAAAAAAAAAAAAAAAkAAAAAAQAAAAAAAAAAAAAAAAAAAAAAAAAAAAAAZAAAAGQAAAAAAAAAZAAAAGQAAAAVAAAAYAAAAAAAAAAAAAAADwAAACADAAAAAAAAAAAAAAEAAACgMgAAAAAAAAAAAAABAAAAf39/AAEAAABkAAAAAAAAABQAAABAHwAAAAAAACYAAAAAAAAAwOD//wAAAAAmAAAAZAAAABYAAABMAAAAAAAAAAAAAAAEAAAAAAAAAAEAAACAgIAKAAAAACgAAAAoAAAAZAAAAGQAAAAAAAAAzMzMAAAAAABQAAAAUAAAAGQAAABkAAAAAAAAABcAAAAUAAAAAAAAAAAAAAD/fwAA/38AAAAAAAAJAAAABAAAAC1yLW4MAAAAEAAAAAAAAAAAAAAAAAAAAAAAAAAeAAAAaAAAAAAAAAAAAAAAAAAAAAAAAAAAAAAAECcAABAnAAAAAAAAAAAAAAAAAAAAAAAAAAAAAAAAAAAAAAAAAAAAABQAAAAAAAAAwMD/AAAAAABkAAAAMgAAAAAAAABkAAAAAAAAAH9/fwAKAAAAHwAAAFQAAAA2Cp4A////AQAAAAAAAAAAAAAAAAAAAAAAAAAAAAAAAAAAAAAAAAAAAAAAAn9/fwCAgIADzMzMAMDA/wB/f38AAAAAAAAAAAAAAAAAAAAAAAAAAAAhAAAAGAAAABQAAACrDgAAgBQAAOAQAACwFQAAEAAAACYAAAAIAAAA//////////8="/>
               </a:ext>
             </a:extLst>
           </p:cNvSpPr>
@@ -12035,7 +12035,7 @@
           <p:cNvSpPr txBox="1">
             <a:extLst>
               <a:ext uri="smNativeData">
-                <pr:smNativeData xmlns:pr="smNativeData" val="SMDATA_13_IrKAXRMAAAAlAAAAEgAAAE8BAAAAkAAAAEgAAACQAAAASAAAAAAAAAAAAAAAAAAAAAEAAABQAAAAAAAAAAAA4D8AAAAAAADgPwAAAAAAAOA/AAAAAAAA4D8AAAAAAADgPwAAAAAAAOA/AAAAAAAA4D8AAAAAAADgPwAAAAAAAOA/AAAAAAAA4D8CAAAAjAAAAAAAAAAAAAAAu+DjDP///wgAAAAAAAAAAAAAAAAAAAAAAAAAAAAAAAAAAAAAZAAAAAEAAABAAAAAAAAAAAAAAAAAAAAAAAAAAAAAAAAAAAAAAAAAAAAAAAAAAAAAAAAAAAAAAAAAAAAAAAAAAAAAAAAAAAAAAAAAAAAAAAAAAAAAAAAAAAAAAAAAAAAAFAAAADwAAAAAAAAAAAAAAAAAAAkUAAAAAQAAABQAAAAUAAAAFAAAAAEAAAAAAAAAZAAAAGQAAAAAAAAAZAAAAGQAAAAVAAAAYAAAAAAAAAAAAAAADwAAACADAAAAAAAAAAAAAAEAAACgMgAAVgcAAKr4//8BAAAAf39/AAEAAABkAAAAAAAAABQAAABAHwAAAAAAACYAAAAAAAAAwOD//wAAAAAmAAAAZAAAABYAAABMAAAAAAAAAAAAAAAEAAAAAAAAAAEAAACAgIAKAAAAACgAAAAoAAAAZAAAAGQAAAAAAAAAzMzMAAAAAABQAAAAUAAAAGQAAABkAAAAAAAAABcAAAAUAAAAAAAAANwIAAD/fwAA/38AAAAAAAAJAAAABAAAAAAAAAAMAAAAEAAAAAAAAAAAAAAAAAAAAAAAAAAeAAAAaAAAAAAAAAAAAAAAAAAAAAAAAAAAAAAAECcAABAnAAAAAAAAAAAAAAAAAAAAAAAAAAAAAAAAAAAAAAAAAAAAABQAAAAAAAAAwMD/AAAAAABkAAAAMgAAAAAAAABkAAAAAAAAAH9/fwAKAAAAHwAAAFQAAAC74OMF////AQAAAAAAAAAAAAAAAAAAAAAAAAAAAAAAAAAAAAAAAAAAAAAAAn9/fwCAgIADzMzMAMDA/wB/f38AAAAAAAAAAAAAAAAAAAAAAAAAAAAhAAAAGAAAABQAAADLEAAA9RMAAKcZAAA1FgAAECAAACYAAAAIAAAA//////////8="/>
+                <pr:smNativeData xmlns:pr="smNativeData" val="SMDATA_13_gcGAXRMAAAAlAAAAEgAAAE8BAAAAkAAAAEgAAACQAAAASAAAAAAAAAAAAAAAAAAAAAEAAABQAAAAAAAAAAAA4D8AAAAAAADgPwAAAAAAAOA/AAAAAAAA4D8AAAAAAADgPwAAAAAAAOA/AAAAAAAA4D8AAAAAAADgPwAAAAAAAOA/AAAAAAAA4D8CAAAAjAAAAAAAAAAAAAAAu+DjDP///wgAAAAAAAAAAAAAAAAAAAAAAAAAAAAAAAAAAAAAZAAAAAEAAABAAAAAAAAAAAAAAAAAAAAAAAAAAAAAAAAAAAAAAAAAAAAAAAAAAAAAAAAAAAAAAAAAAAAAAAAAAAAAAAAAAAAAAAAAAAAAAAAAAAAAAAAAAAAAAAAAAAAAFAAAADwAAAAAAAAAAAAAAAAAAAkUAAAAAQAAABQAAAAUAAAAFAAAAAEAAAAAAAAAZAAAAGQAAAAAAAAAZAAAAGQAAAAVAAAAYAAAAAAAAAAAAAAADwAAACADAAAAAAAAAAAAAAEAAACgMgAAVgcAAKr4//8BAAAAf39/AAEAAABkAAAAAAAAABQAAABAHwAAAAAAACYAAAAAAAAAwOD//wAAAAAmAAAAZAAAABYAAABMAAAAAAAAAAAAAAAEAAAAAAAAAAEAAACAgIAKAAAAACgAAAAoAAAAZAAAAGQAAAAAAAAAzMzMAAAAAABQAAAAUAAAAGQAAABkAAAAAAAAABcAAAAUAAAAAAAAANwIAAD/fwAA/38AAAAAAAAJAAAABAAAAAAAAAAMAAAAEAAAAAAAAAAAAAAAAAAAAAAAAAAeAAAAaAAAAAAAAAAAAAAAAAAAAAAAAAAAAAAAECcAABAnAAAAAAAAAAAAAAAAAAAAAAAAAAAAAAAAAAAAAAAAAAAAABQAAAAAAAAAwMD/AAAAAABkAAAAMgAAAAAAAABkAAAAAAAAAH9/fwAKAAAAHwAAAFQAAAC74OMF////AQAAAAAAAAAAAAAAAAAAAAAAAAAAAAAAAAAAAAAAAAAAAAAAAn9/fwCAgIADzMzMAMDA/wB/f38AAAAAAAAAAAAAAAAAAAAAAAAAAAAhAAAAGAAAABQAAADLEAAA9RMAAKcZAAA1FgAAECAAACYAAAAIAAAA//////////8="/>
               </a:ext>
             </a:extLst>
           </p:cNvSpPr>
@@ -12081,7 +12081,7 @@
           <p:cNvSpPr>
             <a:extLst>
               <a:ext uri="smNativeData">
-                <pr:smNativeData xmlns:pr="smNativeData" val="SMDATA_13_IrKAXRMAAAAlAAAAZAAAAA8BAAAAkAAAAEgAAACQAAAASAAAAAAAAAAAAAAAAAAAAAEAAABQAAAAAAAAAAAA4D8AAAAAAADgPwAAAAAAAOA/AAAAAAAA4D8AAAAAAADgPwAAAAAAAOA/AAAAAAAA4D8AAAAAAADgPwAAAAAAAOA/AAAAAAAA4D8CAAAAjAAAAAEAAAAAAAAAhlHdAP///wgAAAAAAAAAAAAAAAAAAAAAAAAAAAAAAAAAAAAAZAAAAAEAAABAAAAAAAAAAAAAAAAAAAAAAAAAAAAAAAAAAAAAAAAAAAAAAAAAAAAAAAAAAAAAAAAAAAAAAAAAAAAAAAAAAAAAAAAAAAAAAAAAAAAAAAAAAAAAAAAAAAAAFAAAADwAAAABAAAAAAAAADYKngAoAAAAAQAAAAIAAAAAAAAAAAAAAAAAAAAAAAAAZAAAAGQAAAAAAAAAZAAAAGQAAAAVAAAAYAAAAAAAAAAAAAAADwAAACADAAAAAAAAAAAAAAEAAACgMgAAAAAAAAAAAAABAAAAf39/AAEAAABkAAAAAAAAABQAAABAHwAAAAAAACYAAAAAAAAAwOD//wAAAAAmAAAAZAAAABYAAABMAAAAAAAAAAAAAAAEAAAAAAAAAAEAAACAgIAKAAAAACgAAAAoAAAAZAAAAGQAAAAAAAAAzMzMAAAAAABQAAAAUAAAAGQAAABkAAAAAAAAABcAAAAUAAAAAAAAAAAAAAD/fwAA/38AAAAAAAAJAAAABAAAAAIA/f8MAAAAEAAAAAAAAAAAAAAAAAAAAAAAAAAeAAAAaAAAAAAAAAAAAAAAAAAAAAAAAAAAAAAAECcAABAnAAAAAAAAAAAAAAAAAAAAAAAAAAAAAAAAAAAAAAAAAAAAABQAAAAAAAAAwMD/AAAAAABkAAAAMgAAAAAAAABkAAAAAAAAAH9/fwAKAAAAHwAAAFQAAACGUd0A////AQAAAAAAAAAAAAAAAAAAAAAAAAAAAAAAAAAAAAAAAAAANgqeAH9/fwCAgIADzMzMAMDA/wB/f38AAAAAAAAAAAAAAAAAAAAAAAAAAAAhAAAAGAAAABQAAAB7DQAA0BgAAD8PAACOGgAAEAAAACYAAAAIAAAA//////////8="/>
+                <pr:smNativeData xmlns:pr="smNativeData" val="SMDATA_13_gcGAXRMAAAAlAAAAZAAAAA8BAAAAkAAAAEgAAACQAAAASAAAAAAAAAAAAAAAAAAAAAEAAABQAAAAAAAAAAAA4D8AAAAAAADgPwAAAAAAAOA/AAAAAAAA4D8AAAAAAADgPwAAAAAAAOA/AAAAAAAA4D8AAAAAAADgPwAAAAAAAOA/AAAAAAAA4D8CAAAAjAAAAAEAAAAAAAAAhlHdAP///wgAAAAAAAAAAAAAAAAAAAAAAAAAAAAAAAAAAAAAZAAAAAEAAABAAAAAAAAAAAAAAAAAAAAAAAAAAAAAAAAAAAAAAAAAAAAAAAAAAAAAAAAAAAAAAAAAAAAAAAAAAAAAAAAAAAAAAAAAAAAAAAAAAAAAAAAAAAAAAAAAAAAAFAAAADwAAAABAAAAAAAAADYKngAoAAAAAQAAAAIAAAAAAAAAAAAAAAAAAAAAAAAAZAAAAGQAAAAAAAAAZAAAAGQAAAAVAAAAYAAAAAAAAAAAAAAADwAAACADAAAAAAAAAAAAAAEAAACgMgAAAAAAAAAAAAABAAAAf39/AAEAAABkAAAAAAAAABQAAABAHwAAAAAAACYAAAAAAAAAwOD//wAAAAAmAAAAZAAAABYAAABMAAAAAAAAAAAAAAAEAAAAAAAAAAEAAACAgIAKAAAAACgAAAAoAAAAZAAAAGQAAAAAAAAAzMzMAAAAAABQAAAAUAAAAGQAAABkAAAAAAAAABcAAAAUAAAAAAAAAAAAAAD/fwAA/38AAAAAAAAJAAAABAAAAAIA/f8MAAAAEAAAAAAAAAAAAAAAAAAAAAAAAAAeAAAAaAAAAAAAAAAAAAAAAAAAAAAAAAAAAAAAECcAABAnAAAAAAAAAAAAAAAAAAAAAAAAAAAAAAAAAAAAAAAAAAAAABQAAAAAAAAAwMD/AAAAAABkAAAAMgAAAAAAAABkAAAAAAAAAH9/fwAKAAAAHwAAAFQAAACGUd0A////AQAAAAAAAAAAAAAAAAAAAAAAAAAAAAAAAAAAAAAAAAAANgqeAH9/fwCAgIADzMzMAMDA/wB/f38AAAAAAAAAAAAAAAAAAAAAAAAAAAAhAAAAGAAAABQAAAB7DQAA0BgAAD8PAACOGgAAEAAAACYAAAAIAAAA//////////8="/>
               </a:ext>
             </a:extLst>
           </p:cNvSpPr>
@@ -12115,7 +12115,7 @@
           <p:cNvSpPr>
             <a:extLst>
               <a:ext uri="smNativeData">
-                <pr:smNativeData xmlns:pr="smNativeData" val="SMDATA_13_IrKAXRMAAAAlAAAAyAAAAA8BAAAAkAAAAEgAAACQAAAASAAAAAAAAAAAAAAAAAAAAAEAAABQAAAAAIIphXg83z8IPYQeQg/RPwAAAAAAAOA/AAAAAAAA4D8AAAAAAADgPwAAAAAAAOA/AAAAAAAA4D8AAAAAAADgPwAAAAAAAOA/AAAAAAAA4D8CAAAAjAAAAAEAAAAAAAAANgqeAP///wgAAAAAAAAAAAAAAAAAAAAAAAAAAAAAAAAAAAAAZAAAAAEAAABAAAAAAAAAAAAAAAAAAAAAAAAAAAAAAAAAAAAAAAAAAAAAAAAAAAAAAAAAAAAAAAAAAAAAAAAAAAAAAAAAAAAAAAAAAAAAAAAAAAAAAAAAAAAAAAAAAAAAFAAAADwAAAAAAAAAAAAAAAAAAAkAAAAAAQAAAAAAAAAAAAAAAAAAAAAAAAAAAAAAZAAAAGQAAAAAAAAAZAAAAGQAAAAVAAAAYAAAAAAAAAAAAAAADwAAACADAAAAAAAAAAAAAAEAAACgMgAAAAAAAAAAAAABAAAAf39/AAEAAABkAAAAAAAAABQAAABAHwAAAAAAACYAAAAAAAAAwOD//wAAAAAmAAAAZAAAABYAAABMAAAAAAAAAAAAAAAEAAAAAAAAAAEAAACAgIAKAAAAACgAAAAoAAAAZAAAAGQAAAAAAAAAzMzMAAAAAABQAAAAUAAAAGQAAABkAAAAAAAAABcAAAAUAAAAAAAAAAAAAAD/fwAA/38AAAAAAAAJAAAABAAAAAAAAAAMAAAAEAAAAAAAAAAAAAAAAAAAAAAAAAAeAAAAaAAAAAAAAAAAAAAAAAAAAAAAAAAAAAAAECcAABAnAAAAAAAAAAAAAAAAAAAAAAAAAAAAAAAAAAAAAAAAAAAAABQAAAAAAAAAwMD/AAAAAABkAAAAMgAAAAAAAABkAAAAAAAAAH9/fwAKAAAAHwAAAFQAAAA2Cp4A////AQAAAAAAAAAAAAAAAAAAAAAAAAAAAAAAAAAAAAAAAAAAAAAAAn9/fwCAgIADzMzMAMDA/wB/f38AAAAAAAAAAAAAAAAAAAAAAAAAAAAhAAAAGAAAABQAAACpDgAALhkAAN4QAABeGgAAEAAAACYAAAAIAAAA//////////8="/>
+                <pr:smNativeData xmlns:pr="smNativeData" val="SMDATA_13_gcGAXRMAAAAlAAAAyAAAAA8BAAAAkAAAAEgAAACQAAAASAAAAAAAAAAAAAAAAAAAAAEAAABQAAAAAIIphXg83z8IPYQeQg/RPwAAAAAAAOA/AAAAAAAA4D8AAAAAAADgPwAAAAAAAOA/AAAAAAAA4D8AAAAAAADgPwAAAAAAAOA/AAAAAAAA4D8CAAAAjAAAAAEAAAAAAAAANgqeAP///wgAAAAAAAAAAAAAAAAAAAAAAAAAAAAAAAAAAAAAZAAAAAEAAABAAAAAAAAAAAAAAAAAAAAAAAAAAAAAAAAAAAAAAAAAAAAAAAAAAAAAAAAAAAAAAAAAAAAAAAAAAAAAAAAAAAAAAAAAAAAAAAAAAAAAAAAAAAAAAAAAAAAAFAAAADwAAAAAAAAAAAAAAAAAAAkAAAAAAQAAAAAAAAAAAAAAAAAAAAAAAAAAAAAAZAAAAGQAAAAAAAAAZAAAAGQAAAAVAAAAYAAAAAAAAAAAAAAADwAAACADAAAAAAAAAAAAAAEAAACgMgAAAAAAAAAAAAABAAAAf39/AAEAAABkAAAAAAAAABQAAABAHwAAAAAAACYAAAAAAAAAwOD//wAAAAAmAAAAZAAAABYAAABMAAAAAAAAAAAAAAAEAAAAAAAAAAEAAACAgIAKAAAAACgAAAAoAAAAZAAAAGQAAAAAAAAAzMzMAAAAAABQAAAAUAAAAGQAAABkAAAAAAAAABcAAAAUAAAAAAAAAAAAAAD/fwAA/38AAAAAAAAJAAAABAAAAAAAAAAMAAAAEAAAAAAAAAAAAAAAAAAAAAAAAAAeAAAAaAAAAAAAAAAAAAAAAAAAAAAAAAAAAAAAECcAABAnAAAAAAAAAAAAAAAAAAAAAAAAAAAAAAAAAAAAAAAAAAAAABQAAAAAAAAAwMD/AAAAAABkAAAAMgAAAAAAAABkAAAAAAAAAH9/fwAKAAAAHwAAAFQAAAA2Cp4A////AQAAAAAAAAAAAAAAAAAAAAAAAAAAAAAAAAAAAAAAAAAAAAAAAn9/fwCAgIADzMzMAMDA/wB/f38AAAAAAAAAAAAAAAAAAAAAAAAAAAAhAAAAGAAAABQAAACpDgAALhkAAN4QAABeGgAAEAAAACYAAAAIAAAA//////////8="/>
               </a:ext>
             </a:extLst>
           </p:cNvSpPr>
@@ -12147,7 +12147,7 @@
           <p:cNvSpPr txBox="1">
             <a:extLst>
               <a:ext uri="smNativeData">
-                <pr:smNativeData xmlns:pr="smNativeData" val="SMDATA_13_IrKAXRMAAAAlAAAAEgAAAE8BAAAAkAAAAEgAAACQAAAASAAAAAAAAAAAAAAAAAAAAAEAAABQAAAAAAAAAAAA4D8AAAAAAADgPwAAAAAAAOA/AAAAAAAA4D8AAAAAAADgPwAAAAAAAOA/AAAAAAAA4D8AAAAAAADgPwAAAAAAAOA/AAAAAAAA4D8CAAAAjAAAAAAAAAAAAAAAu+DjDP///wgAAAAAAAAAAAAAAAAAAAAAAAAAAAAAAAAAAAAAZAAAAAEAAABAAAAAAAAAAAAAAAAAAAAAAAAAAAAAAAAAAAAAAAAAAAAAAAAAAAAAAAAAAAAAAAAAAAAAAAAAAAAAAAAAAAAAAAAAAAAAAAAAAAAAAAAAAAAAAAAAAAAAFAAAADwAAAAAAAAAAAAAAAAAAAkUAAAAAQAAABQAAAAUAAAAFAAAAAEAAAAAAAAAZAAAAGQAAAAAAAAAZAAAAGQAAAAVAAAAYAAAAAAAAAAAAAAADwAAACADAAAAAAAAAAAAAAEAAACgMgAAVgcAAKr4//8BAAAAf39/AAEAAABkAAAAAAAAABQAAABAHwAAAAAAACYAAAAAAAAAwOD//wAAAAAmAAAAZAAAABYAAABMAAAAAAAAAAAAAAAEAAAAAAAAAAEAAACAgIAKAAAAACgAAAAoAAAAZAAAAGQAAAAAAAAAzMzMAAAAAABQAAAAUAAAAGQAAABkAAAAAAAAABcAAAAUAAAAAAAAANwIAAD/fwAA/38AAAAAAAAJAAAABAAAAAAAAAgMAAAAEAAAAAAAAAAAAAAAAAAAAAAAAAAeAAAAaAAAAAAAAAAAAAAAAAAAAAAAAAAAAAAAECcAABAnAAAAAAAAAAAAAAAAAAAAAAAAAAAAAAAAAAAAAAAAAAAAABQAAAAAAAAAwMD/AAAAAABkAAAAMgAAAAAAAABkAAAAAAAAAH9/fwAKAAAAHwAAAFQAAAC74OMF////AQAAAAAAAAAAAAAAAAAAAAAAAAAAAAAAAAAAAAAAAAAAAAAAAn9/fwCAgIADzMzMAMDA/wB/f38AAAAAAAAAAAAAAAAAAAAAAAAAAAAhAAAAGAAAABQAAADJEAAAoxgAAKUZAADjGgAAECAAACYAAAAIAAAA//////////8="/>
+                <pr:smNativeData xmlns:pr="smNativeData" val="SMDATA_13_gcGAXRMAAAAlAAAAEgAAAE8BAAAAkAAAAEgAAACQAAAASAAAAAAAAAAAAAAAAAAAAAEAAABQAAAAAAAAAAAA4D8AAAAAAADgPwAAAAAAAOA/AAAAAAAA4D8AAAAAAADgPwAAAAAAAOA/AAAAAAAA4D8AAAAAAADgPwAAAAAAAOA/AAAAAAAA4D8CAAAAjAAAAAAAAAAAAAAAu+DjDP///wgAAAAAAAAAAAAAAAAAAAAAAAAAAAAAAAAAAAAAZAAAAAEAAABAAAAAAAAAAAAAAAAAAAAAAAAAAAAAAAAAAAAAAAAAAAAAAAAAAAAAAAAAAAAAAAAAAAAAAAAAAAAAAAAAAAAAAAAAAAAAAAAAAAAAAAAAAAAAAAAAAAAAFAAAADwAAAAAAAAAAAAAAAAAAAkUAAAAAQAAABQAAAAUAAAAFAAAAAEAAAAAAAAAZAAAAGQAAAAAAAAAZAAAAGQAAAAVAAAAYAAAAAAAAAAAAAAADwAAACADAAAAAAAAAAAAAAEAAACgMgAAVgcAAKr4//8BAAAAf39/AAEAAABkAAAAAAAAABQAAABAHwAAAAAAACYAAAAAAAAAwOD//wAAAAAmAAAAZAAAABYAAABMAAAAAAAAAAAAAAAEAAAAAAAAAAEAAACAgIAKAAAAACgAAAAoAAAAZAAAAGQAAAAAAAAAzMzMAAAAAABQAAAAUAAAAGQAAABkAAAAAAAAABcAAAAUAAAAAAAAANwIAAD/fwAA/38AAAAAAAAJAAAABAAAAAAAAAgMAAAAEAAAAAAAAAAAAAAAAAAAAAAAAAAeAAAAaAAAAAAAAAAAAAAAAAAAAAAAAAAAAAAAECcAABAnAAAAAAAAAAAAAAAAAAAAAAAAAAAAAAAAAAAAAAAAAAAAABQAAAAAAAAAwMD/AAAAAABkAAAAMgAAAAAAAABkAAAAAAAAAH9/fwAKAAAAHwAAAFQAAAC74OMF////AQAAAAAAAAAAAAAAAAAAAAAAAAAAAAAAAAAAAAAAAAAAAAAAAn9/fwCAgIADzMzMAMDA/wB/f38AAAAAAAAAAAAAAAAAAAAAAAAAAAAhAAAAGAAAABQAAADJEAAAoxgAAKUZAADjGgAAECAAACYAAAAIAAAA//////////8="/>
               </a:ext>
             </a:extLst>
           </p:cNvSpPr>
@@ -12193,7 +12193,7 @@
           <p:cNvSpPr>
             <a:extLst>
               <a:ext uri="smNativeData">
-                <pr:smNativeData xmlns:pr="smNativeData" val="SMDATA_13_IrKAXRMAAAAlAAAAZAAAAA8BAAAAkAAAAEgAAACQAAAASAAAAAAAAAAAAAAAAAAAAAEAAABQAAAAAAAAAAAA4D8AAAAAAADgPwAAAAAAAOA/AAAAAAAA4D8AAAAAAADgPwAAAAAAAOA/AAAAAAAA4D8AAAAAAADgPwAAAAAAAOA/AAAAAAAA4D8CAAAAjAAAAAEAAAAAAAAAhlHdAP///wgAAAAAAAAAAAAAAAAAAAAAAAAAAAAAAAAAAAAAZAAAAAEAAABAAAAAAAAAAAAAAAAAAAAAAAAAAAAAAAAAAAAAAAAAAAAAAAAAAAAAAAAAAAAAAAAAAAAAAAAAAAAAAAAAAAAAAAAAAAAAAAAAAAAAAAAAAAAAAAAAAAAAFAAAADwAAAABAAAAAAAAADYKngAoAAAAAQAAAAIAAAAAAAAAAAAAAAAAAAAAAAAAZAAAAGQAAAAAAAAAZAAAAGQAAAAVAAAAYAAAAAAAAAAAAAAADwAAACADAAAAAAAAAAAAAAEAAACgMgAAAAAAAAAAAAABAAAAf39/AAEAAABkAAAAAAAAABQAAABAHwAAAAAAACYAAAAAAAAAwOD//wAAAAAmAAAAZAAAABYAAABMAAAAAAAAAAAAAAAEAAAAAAAAAAEAAACAgIAKAAAAACgAAAAoAAAAZAAAAGQAAAAAAAAAzMzMAAAAAABQAAAAUAAAAGQAAABkAAAAAAAAABcAAAAUAAAAAAAAAAAAAAD/fwAA/38AAAAAAAAJAAAABAAAAEJRQUEMAAAAEAAAAAAAAAAAAAAAAAAAAAAAAAAeAAAAaAAAAAAAAAAAAAAAAAAAAAAAAAAAAAAAECcAABAnAAAAAAAAAAAAAAAAAAAAAAAAAAAAAAAAAAAAAAAAAAAAABQAAAAAAAAAwMD/AAAAAABkAAAAMgAAAAAAAABkAAAAAAAAAH9/fwAKAAAAHwAAAFQAAACGUd0A////AQAAAAAAAAAAAAAAAAAAAAAAAAAAAAAAAAAAAAAAAAAANgqeAH9/fwCAgIADzMzMAMDA/wB/f38AAAAAAAAAAAAAAAAAAAAAAAAAAAAhAAAAGAAAABQAAAB7DQAAKBsAAD8PAADmHAAAEAAAACYAAAAIAAAA//////////8="/>
+                <pr:smNativeData xmlns:pr="smNativeData" val="SMDATA_13_gcGAXRMAAAAlAAAAZAAAAA8BAAAAkAAAAEgAAACQAAAASAAAAAAAAAAAAAAAAAAAAAEAAABQAAAAAAAAAAAA4D8AAAAAAADgPwAAAAAAAOA/AAAAAAAA4D8AAAAAAADgPwAAAAAAAOA/AAAAAAAA4D8AAAAAAADgPwAAAAAAAOA/AAAAAAAA4D8CAAAAjAAAAAEAAAAAAAAAhlHdAP///wgAAAAAAAAAAAAAAAAAAAAAAAAAAAAAAAAAAAAAZAAAAAEAAABAAAAAAAAAAAAAAAAAAAAAAAAAAAAAAAAAAAAAAAAAAAAAAAAAAAAAAAAAAAAAAAAAAAAAAAAAAAAAAAAAAAAAAAAAAAAAAAAAAAAAAAAAAAAAAAAAAAAAFAAAADwAAAABAAAAAAAAADYKngAoAAAAAQAAAAIAAAAAAAAAAAAAAAAAAAAAAAAAZAAAAGQAAAAAAAAAZAAAAGQAAAAVAAAAYAAAAAAAAAAAAAAADwAAACADAAAAAAAAAAAAAAEAAACgMgAAAAAAAAAAAAABAAAAf39/AAEAAABkAAAAAAAAABQAAABAHwAAAAAAACYAAAAAAAAAwOD//wAAAAAmAAAAZAAAABYAAABMAAAAAAAAAAAAAAAEAAAAAAAAAAEAAACAgIAKAAAAACgAAAAoAAAAZAAAAGQAAAAAAAAAzMzMAAAAAABQAAAAUAAAAGQAAABkAAAAAAAAABcAAAAUAAAAAAAAAAAAAAD/fwAA/38AAAAAAAAJAAAABAAAAEJRQUEMAAAAEAAAAAAAAAAAAAAAAAAAAAAAAAAeAAAAaAAAAAAAAAAAAAAAAAAAAAAAAAAAAAAAECcAABAnAAAAAAAAAAAAAAAAAAAAAAAAAAAAAAAAAAAAAAAAAAAAABQAAAAAAAAAwMD/AAAAAABkAAAAMgAAAAAAAABkAAAAAAAAAH9/fwAKAAAAHwAAAFQAAACGUd0A////AQAAAAAAAAAAAAAAAAAAAAAAAAAAAAAAAAAAAAAAAAAANgqeAH9/fwCAgIADzMzMAMDA/wB/f38AAAAAAAAAAAAAAAAAAAAAAAAAAAAhAAAAGAAAABQAAAB7DQAAKBsAAD8PAADmHAAAEAAAACYAAAAIAAAA//////////8="/>
               </a:ext>
             </a:extLst>
           </p:cNvSpPr>
@@ -12227,7 +12227,7 @@
           <p:cNvSpPr>
             <a:extLst>
               <a:ext uri="smNativeData">
-                <pr:smNativeData xmlns:pr="smNativeData" val="SMDATA_13_IrKAXRMAAAAlAAAAyAAAAA8BAAAAkAAAAEgAAACQAAAASAAAAAAAAAAAAAAAAAAAAAEAAABQAAAAAIIphXg83z8IPYQeQg/RPwAAAAAAAOA/AAAAAAAA4D8AAAAAAADgPwAAAAAAAOA/AAAAAAAA4D8AAAAAAADgPwAAAAAAAOA/AAAAAAAA4D8CAAAAjAAAAAEAAAAAAAAANgqeAP///wgAAAAAAAAAAAAAAAAAAAAAAAAAAAAAAAAAAAAAZAAAAAEAAABAAAAAAAAAAAAAAAAAAAAAAAAAAAAAAAAAAAAAAAAAAAAAAAAAAAAAAAAAAAAAAAAAAAAAAAAAAAAAAAAAAAAAAAAAAAAAAAAAAAAAAAAAAAAAAAAAAAAAFAAAADwAAAAAAAAAAAAAAAAAAAkAAAAAAQAAAAAAAAAAAAAAAAAAAAAAAAAAAAAAZAAAAGQAAAAAAAAAZAAAAGQAAAAVAAAAYAAAAAAAAAAAAAAADwAAACADAAAAAAAAAAAAAAEAAACgMgAAAAAAAAAAAAABAAAAf39/AAEAAABkAAAAAAAAABQAAABAHwAAAAAAACYAAAAAAAAAwOD//wAAAAAmAAAAZAAAABYAAABMAAAAAAAAAAAAAAAEAAAAAAAAAAEAAACAgIAKAAAAACgAAAAoAAAAZAAAAGQAAAAAAAAAzMzMAAAAAABQAAAAUAAAAGQAAABkAAAAAAAAABcAAAAUAAAAAAAAAAAAAAD/fwAA/38AAAAAAAAJAAAABAAAAAAAAAAMAAAAEAAAAAAAAAAAAAAAAAAAAAAAAAAeAAAAaAAAAAAAAAAAAAAAAAAAAAAAAAAAAAAAECcAABAnAAAAAAAAAAAAAAAAAAAAAAAAAAAAAAAAAAAAAAAAAAAAABQAAAAAAAAAwMD/AAAAAABkAAAAMgAAAAAAAABkAAAAAAAAAH9/fwAKAAAAHwAAAFQAAAA2Cp4A////AQAAAAAAAAAAAAAAAAAAAAAAAAAAAAAAAAAAAAAAAAAAAAAAAn9/fwCAgIADzMzMAMDA/wB/f38AAAAAAAAAAAAAAAAAAAAAAAAAAAAhAAAAGAAAABQAAACpDgAAhhsAAN4QAAC2HAAAEAAAACYAAAAIAAAA//////////8="/>
+                <pr:smNativeData xmlns:pr="smNativeData" val="SMDATA_13_gcGAXRMAAAAlAAAAyAAAAA8BAAAAkAAAAEgAAACQAAAASAAAAAAAAAAAAAAAAAAAAAEAAABQAAAAAIIphXg83z8IPYQeQg/RPwAAAAAAAOA/AAAAAAAA4D8AAAAAAADgPwAAAAAAAOA/AAAAAAAA4D8AAAAAAADgPwAAAAAAAOA/AAAAAAAA4D8CAAAAjAAAAAEAAAAAAAAANgqeAP///wgAAAAAAAAAAAAAAAAAAAAAAAAAAAAAAAAAAAAAZAAAAAEAAABAAAAAAAAAAAAAAAAAAAAAAAAAAAAAAAAAAAAAAAAAAAAAAAAAAAAAAAAAAAAAAAAAAAAAAAAAAAAAAAAAAAAAAAAAAAAAAAAAAAAAAAAAAAAAAAAAAAAAFAAAADwAAAAAAAAAAAAAAAAAAAkAAAAAAQAAAAAAAAAAAAAAAAAAAAAAAAAAAAAAZAAAAGQAAAAAAAAAZAAAAGQAAAAVAAAAYAAAAAAAAAAAAAAADwAAACADAAAAAAAAAAAAAAEAAACgMgAAAAAAAAAAAAABAAAAf39/AAEAAABkAAAAAAAAABQAAABAHwAAAAAAACYAAAAAAAAAwOD//wAAAAAmAAAAZAAAABYAAABMAAAAAAAAAAAAAAAEAAAAAAAAAAEAAACAgIAKAAAAACgAAAAoAAAAZAAAAGQAAAAAAAAAzMzMAAAAAABQAAAAUAAAAGQAAABkAAAAAAAAABcAAAAUAAAAAAAAAAAAAAD/fwAA/38AAAAAAAAJAAAABAAAAAAAAAAMAAAAEAAAAAAAAAAAAAAAAAAAAAAAAAAeAAAAaAAAAAAAAAAAAAAAAAAAAAAAAAAAAAAAECcAABAnAAAAAAAAAAAAAAAAAAAAAAAAAAAAAAAAAAAAAAAAAAAAABQAAAAAAAAAwMD/AAAAAABkAAAAMgAAAAAAAABkAAAAAAAAAH9/fwAKAAAAHwAAAFQAAAA2Cp4A////AQAAAAAAAAAAAAAAAAAAAAAAAAAAAAAAAAAAAAAAAAAAAAAAAn9/fwCAgIADzMzMAMDA/wB/f38AAAAAAAAAAAAAAAAAAAAAAAAAAAAhAAAAGAAAABQAAACpDgAAhhsAAN4QAAC2HAAAEAAAACYAAAAIAAAA//////////8="/>
               </a:ext>
             </a:extLst>
           </p:cNvSpPr>
@@ -12259,7 +12259,7 @@
           <p:cNvSpPr txBox="1">
             <a:extLst>
               <a:ext uri="smNativeData">
-                <pr:smNativeData xmlns:pr="smNativeData" val="SMDATA_13_IrKAXRMAAAAlAAAAEgAAAE8BAAAAkAAAAEgAAACQAAAASAAAAAAAAAAAAAAAAAAAAAEAAABQAAAAAAAAAAAA4D8AAAAAAADgPwAAAAAAAOA/AAAAAAAA4D8AAAAAAADgPwAAAAAAAOA/AAAAAAAA4D8AAAAAAADgPwAAAAAAAOA/AAAAAAAA4D8CAAAAjAAAAAAAAAAAAAAAu+DjDP///wgAAAAAAAAAAAAAAAAAAAAAAAAAAAAAAAAAAAAAZAAAAAEAAABAAAAAAAAAAAAAAAAAAAAAAAAAAAAAAAAAAAAAAAAAAAAAAAAAAAAAAAAAAAAAAAAAAAAAAAAAAAAAAAAAAAAAAAAAAAAAAAAAAAAAAAAAAAAAAAAAAAAAFAAAADwAAAAAAAAAAAAAAAAAAAkUAAAAAQAAABQAAAAUAAAAFAAAAAEAAAAAAAAAZAAAAGQAAAAAAAAAZAAAAGQAAAAVAAAAYAAAAAAAAAAAAAAADwAAACADAAAAAAAAAAAAAAEAAACgMgAAVgcAAKr4//8BAAAAf39/AAEAAABkAAAAAAAAABQAAABAHwAAAAAAACYAAAAAAAAAwOD//wAAAAAmAAAAZAAAABYAAABMAAAAAAAAAAAAAAAEAAAAAAAAAAEAAACAgIAKAAAAACgAAAAoAAAAZAAAAGQAAAAAAAAAzMzMAAAAAABQAAAAUAAAAGQAAABkAAAAAAAAABcAAAAUAAAAAAAAANwIAAD/fwAA/38AAAAAAAAJAAAABAAAAAAAAAAMAAAAEAAAAAAAAAAAAAAAAAAAAAAAAAAeAAAAaAAAAAAAAAAAAAAAAAAAAAAAAAAAAAAAECcAABAnAAAAAAAAAAAAAAAAAAAAAAAAAAAAAAAAAAAAAAAAAAAAABQAAAAAAAAAwMD/AAAAAABkAAAAMgAAAAAAAABkAAAAAAAAAH9/fwAKAAAAHwAAAFQAAAC74OMF////AQAAAAAAAAAAAAAAAAAAAAAAAAAAAAAAAAAAAAAAAAAAAAAAAn9/fwCAgIADzMzMAMDA/wB/f38AAAAAAAAAAAAAAAAAAAAAAAAAAAAhAAAAGAAAABQAAADJEAAA+xoAAKUZAAA7HQAAECAAACYAAAAIAAAA//////////8="/>
+                <pr:smNativeData xmlns:pr="smNativeData" val="SMDATA_13_gcGAXRMAAAAlAAAAEgAAAE8BAAAAkAAAAEgAAACQAAAASAAAAAAAAAAAAAAAAAAAAAEAAABQAAAAAAAAAAAA4D8AAAAAAADgPwAAAAAAAOA/AAAAAAAA4D8AAAAAAADgPwAAAAAAAOA/AAAAAAAA4D8AAAAAAADgPwAAAAAAAOA/AAAAAAAA4D8CAAAAjAAAAAAAAAAAAAAAu+DjDP///wgAAAAAAAAAAAAAAAAAAAAAAAAAAAAAAAAAAAAAZAAAAAEAAABAAAAAAAAAAAAAAAAAAAAAAAAAAAAAAAAAAAAAAAAAAAAAAAAAAAAAAAAAAAAAAAAAAAAAAAAAAAAAAAAAAAAAAAAAAAAAAAAAAAAAAAAAAAAAAAAAAAAAFAAAADwAAAAAAAAAAAAAAAAAAAkUAAAAAQAAABQAAAAUAAAAFAAAAAEAAAAAAAAAZAAAAGQAAAAAAAAAZAAAAGQAAAAVAAAAYAAAAAAAAAAAAAAADwAAACADAAAAAAAAAAAAAAEAAACgMgAAVgcAAKr4//8BAAAAf39/AAEAAABkAAAAAAAAABQAAABAHwAAAAAAACYAAAAAAAAAwOD//wAAAAAmAAAAZAAAABYAAABMAAAAAAAAAAAAAAAEAAAAAAAAAAEAAACAgIAKAAAAACgAAAAoAAAAZAAAAGQAAAAAAAAAzMzMAAAAAABQAAAAUAAAAGQAAABkAAAAAAAAABcAAAAUAAAAAAAAANwIAAD/fwAA/38AAAAAAAAJAAAABAAAAAAAAAAMAAAAEAAAAAAAAAAAAAAAAAAAAAAAAAAeAAAAaAAAAAAAAAAAAAAAAAAAAAAAAAAAAAAAECcAABAnAAAAAAAAAAAAAAAAAAAAAAAAAAAAAAAAAAAAAAAAAAAAABQAAAAAAAAAwMD/AAAAAABkAAAAMgAAAAAAAABkAAAAAAAAAH9/fwAKAAAAHwAAAFQAAAC74OMF////AQAAAAAAAAAAAAAAAAAAAAAAAAAAAAAAAAAAAAAAAAAAAAAAAn9/fwCAgIADzMzMAMDA/wB/f38AAAAAAAAAAAAAAAAAAAAAAAAAAAAhAAAAGAAAABQAAADJEAAA+xoAAKUZAAA7HQAAECAAACYAAAAIAAAA//////////8="/>
               </a:ext>
             </a:extLst>
           </p:cNvSpPr>
@@ -12305,7 +12305,7 @@
           <p:cNvSpPr>
             <a:extLst>
               <a:ext uri="smNativeData">
-                <pr:smNativeData xmlns:pr="smNativeData" val="SMDATA_13_IrKAXRMAAAAlAAAAZAAAAA8BAAAAkAAAAEgAAACQAAAASAAAAAAAAAAAAAAAAAAAAAEAAABQAAAAAAAAAAAA4D8AAAAAAADgPwAAAAAAAOA/AAAAAAAA4D8AAAAAAADgPwAAAAAAAOA/AAAAAAAA4D8AAAAAAADgPwAAAAAAAOA/AAAAAAAA4D8CAAAAjAAAAAEAAAAAAAAAhlHdAP///wgAAAAAAAAAAAAAAAAAAAAAAAAAAAAAAAAAAAAAZAAAAAEAAABAAAAAAAAAAAAAAAAAAAAAAAAAAAAAAAAAAAAAAAAAAAAAAAAAAAAAAAAAAAAAAAAAAAAAAAAAAAAAAAAAAAAAAAAAAAAAAAAAAAAAAAAAAAAAAAAAAAAAFAAAADwAAAABAAAAAAAAADYKngAoAAAAAQAAAAIAAAAAAAAAAAAAAAAAAAAAAAAAZAAAAGQAAAAAAAAAZAAAAGQAAAAVAAAAYAAAAAAAAAAAAAAADwAAACADAAAAAAAAAAAAAAEAAACgMgAAAAAAAAAAAAABAAAAf39/AAEAAABkAAAAAAAAABQAAABAHwAAAAAAACYAAAAAAAAAwOD//wAAAAAmAAAAZAAAABYAAABMAAAAAAAAAAAAAAAEAAAAAAAAAAEAAACAgIAKAAAAACgAAAAoAAAAZAAAAGQAAAAAAAAAzMzMAAAAAABQAAAAUAAAAGQAAABkAAAAAAAAABcAAAAUAAAAAAAAAAAAAAD/fwAA/38AAAAAAAAJAAAABAAAAAAAAAAMAAAAEAAAAAAAAAAAAAAAAAAAAAAAAAAeAAAAaAAAAAAAAAAAAAAAAAAAAAAAAAAAAAAAECcAABAnAAAAAAAAAAAAAAAAAAAAAAAAAAAAAAAAAAAAAAAAAAAAABQAAAAAAAAAwMD/AAAAAABkAAAAMgAAAAAAAABkAAAAAAAAAH9/fwAKAAAAHwAAAFQAAACGUd0A////AQAAAAAAAAAAAAAAAAAAAAAAAAAAAAAAAAAAAAAAAAAANgqeAH9/fwCAgIADzMzMAMDA/wB/f38AAAAAAAAAAAAAAAAAAAAAAAAAAAAhAAAAGAAAABQAAAB7DQAAeBYAAD8PAAA2GAAAEAAAACYAAAAIAAAA//////////8="/>
+                <pr:smNativeData xmlns:pr="smNativeData" val="SMDATA_13_gcGAXRMAAAAlAAAAZAAAAA8BAAAAkAAAAEgAAACQAAAASAAAAAAAAAAAAAAAAAAAAAEAAABQAAAAAAAAAAAA4D8AAAAAAADgPwAAAAAAAOA/AAAAAAAA4D8AAAAAAADgPwAAAAAAAOA/AAAAAAAA4D8AAAAAAADgPwAAAAAAAOA/AAAAAAAA4D8CAAAAjAAAAAEAAAAAAAAAhlHdAP///wgAAAAAAAAAAAAAAAAAAAAAAAAAAAAAAAAAAAAAZAAAAAEAAABAAAAAAAAAAAAAAAAAAAAAAAAAAAAAAAAAAAAAAAAAAAAAAAAAAAAAAAAAAAAAAAAAAAAAAAAAAAAAAAAAAAAAAAAAAAAAAAAAAAAAAAAAAAAAAAAAAAAAFAAAADwAAAABAAAAAAAAADYKngAoAAAAAQAAAAIAAAAAAAAAAAAAAAAAAAAAAAAAZAAAAGQAAAAAAAAAZAAAAGQAAAAVAAAAYAAAAAAAAAAAAAAADwAAACADAAAAAAAAAAAAAAEAAACgMgAAAAAAAAAAAAABAAAAf39/AAEAAABkAAAAAAAAABQAAABAHwAAAAAAACYAAAAAAAAAwOD//wAAAAAmAAAAZAAAABYAAABMAAAAAAAAAAAAAAAEAAAAAAAAAAEAAACAgIAKAAAAACgAAAAoAAAAZAAAAGQAAAAAAAAAzMzMAAAAAABQAAAAUAAAAGQAAABkAAAAAAAAABcAAAAUAAAAAAAAAAAAAAD/fwAA/38AAAAAAAAJAAAABAAAAAAAAAAMAAAAEAAAAAAAAAAAAAAAAAAAAAAAAAAeAAAAaAAAAAAAAAAAAAAAAAAAAAAAAAAAAAAAECcAABAnAAAAAAAAAAAAAAAAAAAAAAAAAAAAAAAAAAAAAAAAAAAAABQAAAAAAAAAwMD/AAAAAABkAAAAMgAAAAAAAABkAAAAAAAAAH9/fwAKAAAAHwAAAFQAAACGUd0A////AQAAAAAAAAAAAAAAAAAAAAAAAAAAAAAAAAAAAAAAAAAANgqeAH9/fwCAgIADzMzMAMDA/wB/f38AAAAAAAAAAAAAAAAAAAAAAAAAAAAhAAAAGAAAABQAAAB7DQAAeBYAAD8PAAA2GAAAEAAAACYAAAAIAAAA//////////8="/>
               </a:ext>
             </a:extLst>
           </p:cNvSpPr>
@@ -12339,7 +12339,7 @@
           <p:cNvSpPr>
             <a:extLst>
               <a:ext uri="smNativeData">
-                <pr:smNativeData xmlns:pr="smNativeData" val="SMDATA_13_IrKAXRMAAAAlAAAAyAAAAA8BAAAAkAAAAEgAAACQAAAASAAAAAAAAAAAAAAAAAAAAAEAAABQAAAAAIIphXg83z8IPYQeQg/RPwAAAAAAAOA/AAAAAAAA4D8AAAAAAADgPwAAAAAAAOA/AAAAAAAA4D8AAAAAAADgPwAAAAAAAOA/AAAAAAAA4D8CAAAAjAAAAAEAAAAAAAAANgqeAP///wgAAAAAAAAAAAAAAAAAAAAAAAAAAAAAAAAAAAAAZAAAAAEAAABAAAAAAAAAAAAAAAAAAAAAAAAAAAAAAAAAAAAAAAAAAAAAAAAAAAAAAAAAAAAAAAAAAAAAAAAAAAAAAAAAAAAAAAAAAAAAAAAAAAAAAAAAAAAAAAAAAAAAFAAAADwAAAAAAAAAAAAAAAAAAAkAAAAAAQAAAAAAAAAAAAAAAAAAAAAAAAAAAAAAZAAAAGQAAAAAAAAAZAAAAGQAAAAVAAAAYAAAAAAAAAAAAAAADwAAACADAAAAAAAAAAAAAAEAAACgMgAAAAAAAAAAAAABAAAAf39/AAEAAABkAAAAAAAAABQAAABAHwAAAAAAACYAAAAAAAAAwOD//wAAAAAmAAAAZAAAABYAAABMAAAAAAAAAAAAAAAEAAAAAAAAAAEAAACAgIAKAAAAACgAAAAoAAAAZAAAAGQAAAAAAAAAzMzMAAAAAABQAAAAUAAAAGQAAABkAAAAAAAAABcAAAAUAAAAAAAAAAAAAAD/fwAA/38AAAAAAAAJAAAABAAAAPf39/8MAAAAEAAAAAAAAAAAAAAAAAAAAAAAAAAeAAAAaAAAAAAAAAAAAAAAAAAAAAAAAAAAAAAAECcAABAnAAAAAAAAAAAAAAAAAAAAAAAAAAAAAAAAAAAAAAAAAAAAABQAAAAAAAAAwMD/AAAAAABkAAAAMgAAAAAAAABkAAAAAAAAAH9/fwAKAAAAHwAAAFQAAAA2Cp4A////AQAAAAAAAAAAAAAAAAAAAAAAAAAAAAAAAAAAAAAAAAAAAAAAAn9/fwCAgIADzMzMAMDA/wB/f38AAAAAAAAAAAAAAAAAAAAAAAAAAAAhAAAAGAAAABQAAACpDgAA1hYAAN4QAAAGGAAAEAAAACYAAAAIAAAA//////////8="/>
+                <pr:smNativeData xmlns:pr="smNativeData" val="SMDATA_13_gcGAXRMAAAAlAAAAyAAAAA8BAAAAkAAAAEgAAACQAAAASAAAAAAAAAAAAAAAAAAAAAEAAABQAAAAAIIphXg83z8IPYQeQg/RPwAAAAAAAOA/AAAAAAAA4D8AAAAAAADgPwAAAAAAAOA/AAAAAAAA4D8AAAAAAADgPwAAAAAAAOA/AAAAAAAA4D8CAAAAjAAAAAEAAAAAAAAANgqeAP///wgAAAAAAAAAAAAAAAAAAAAAAAAAAAAAAAAAAAAAZAAAAAEAAABAAAAAAAAAAAAAAAAAAAAAAAAAAAAAAAAAAAAAAAAAAAAAAAAAAAAAAAAAAAAAAAAAAAAAAAAAAAAAAAAAAAAAAAAAAAAAAAAAAAAAAAAAAAAAAAAAAAAAFAAAADwAAAAAAAAAAAAAAAAAAAkAAAAAAQAAAAAAAAAAAAAAAAAAAAAAAAAAAAAAZAAAAGQAAAAAAAAAZAAAAGQAAAAVAAAAYAAAAAAAAAAAAAAADwAAACADAAAAAAAAAAAAAAEAAACgMgAAAAAAAAAAAAABAAAAf39/AAEAAABkAAAAAAAAABQAAABAHwAAAAAAACYAAAAAAAAAwOD//wAAAAAmAAAAZAAAABYAAABMAAAAAAAAAAAAAAAEAAAAAAAAAAEAAACAgIAKAAAAACgAAAAoAAAAZAAAAGQAAAAAAAAAzMzMAAAAAABQAAAAUAAAAGQAAABkAAAAAAAAABcAAAAUAAAAAAAAAAAAAAD/fwAA/38AAAAAAAAJAAAABAAAAPf39/8MAAAAEAAAAAAAAAAAAAAAAAAAAAAAAAAeAAAAaAAAAAAAAAAAAAAAAAAAAAAAAAAAAAAAECcAABAnAAAAAAAAAAAAAAAAAAAAAAAAAAAAAAAAAAAAAAAAAAAAABQAAAAAAAAAwMD/AAAAAABkAAAAMgAAAAAAAABkAAAAAAAAAH9/fwAKAAAAHwAAAFQAAAA2Cp4A////AQAAAAAAAAAAAAAAAAAAAAAAAAAAAAAAAAAAAAAAAAAAAAAAAn9/fwCAgIADzMzMAMDA/wB/f38AAAAAAAAAAAAAAAAAAAAAAAAAAAAhAAAAGAAAABQAAACpDgAA1hYAAN4QAAAGGAAAEAAAACYAAAAIAAAA//////////8="/>
               </a:ext>
             </a:extLst>
           </p:cNvSpPr>
@@ -12371,7 +12371,7 @@
           <p:cNvSpPr txBox="1">
             <a:extLst>
               <a:ext uri="smNativeData">
-                <pr:smNativeData xmlns:pr="smNativeData" val="SMDATA_13_IrKAXRMAAAAlAAAAEgAAAE8BAAAAkAAAAEgAAACQAAAASAAAAAAAAAAAAAAAAAAAAAEAAABQAAAAAAAAAAAA4D8AAAAAAADgPwAAAAAAAOA/AAAAAAAA4D8AAAAAAADgPwAAAAAAAOA/AAAAAAAA4D8AAAAAAADgPwAAAAAAAOA/AAAAAAAA4D8CAAAAjAAAAAAAAAAAAAAAu+DjDP///wgAAAAAAAAAAAAAAAAAAAAAAAAAAAAAAAAAAAAAZAAAAAEAAABAAAAAAAAAAAAAAAAAAAAAAAAAAAAAAAAAAAAAAAAAAAAAAAAAAAAAAAAAAAAAAAAAAAAAAAAAAAAAAAAAAAAAAAAAAAAAAAAAAAAAAAAAAAAAAAAAAAAAFAAAADwAAAAAAAAAAAAAAAAAAAkUAAAAAQAAABQAAAAUAAAAFAAAAAEAAAAAAAAAZAAAAGQAAAAAAAAAZAAAAGQAAAAVAAAAYAAAAAAAAAAAAAAADwAAACADAAAAAAAAAAAAAAEAAACgMgAAVgcAAKr4//8BAAAAf39/AAEAAABkAAAAAAAAABQAAABAHwAAAAAAACYAAAAAAAAAwOD//wAAAAAmAAAAZAAAABYAAABMAAAAAAAAAAAAAAAEAAAAAAAAAAEAAACAgIAKAAAAACgAAAAoAAAAZAAAAGQAAAAAAAAAzMzMAAAAAABQAAAAUAAAAGQAAABkAAAAAAAAABcAAAAUAAAAAAAAANwIAAD/fwAA/38AAAAAAAAJAAAABAAAAAAAAAAMAAAAEAAAAAAAAAAAAAAAAAAAAAAAAAAeAAAAaAAAAAAAAAAAAAAAAAAAAAAAAAAAAAAAECcAABAnAAAAAAAAAAAAAAAAAAAAAAAAAAAAAAAAAAAAAAAAAAAAABQAAAAAAAAAwMD/AAAAAABkAAAAMgAAAAAAAABkAAAAAAAAAH9/fwAKAAAAHwAAAFQAAAC74OMF////AQAAAAAAAAAAAAAAAAAAAAAAAAAAAAAAAAAAAAAAAAAAAAAAAn9/fwCAgIADzMzMAMDA/wB/f38AAAAAAAAAAAAAAAAAAAAAAAAAAAAhAAAAGAAAABQAAADJEAAASxYAAKUZAACLGAAAECAAACYAAAAIAAAA//////////8="/>
+                <pr:smNativeData xmlns:pr="smNativeData" val="SMDATA_13_gcGAXRMAAAAlAAAAEgAAAE8BAAAAkAAAAEgAAACQAAAASAAAAAAAAAAAAAAAAAAAAAEAAABQAAAAAAAAAAAA4D8AAAAAAADgPwAAAAAAAOA/AAAAAAAA4D8AAAAAAADgPwAAAAAAAOA/AAAAAAAA4D8AAAAAAADgPwAAAAAAAOA/AAAAAAAA4D8CAAAAjAAAAAAAAAAAAAAAu+DjDP///wgAAAAAAAAAAAAAAAAAAAAAAAAAAAAAAAAAAAAAZAAAAAEAAABAAAAAAAAAAAAAAAAAAAAAAAAAAAAAAAAAAAAAAAAAAAAAAAAAAAAAAAAAAAAAAAAAAAAAAAAAAAAAAAAAAAAAAAAAAAAAAAAAAAAAAAAAAAAAAAAAAAAAFAAAADwAAAAAAAAAAAAAAAAAAAkUAAAAAQAAABQAAAAUAAAAFAAAAAEAAAAAAAAAZAAAAGQAAAAAAAAAZAAAAGQAAAAVAAAAYAAAAAAAAAAAAAAADwAAACADAAAAAAAAAAAAAAEAAACgMgAAVgcAAKr4//8BAAAAf39/AAEAAABkAAAAAAAAABQAAABAHwAAAAAAACYAAAAAAAAAwOD//wAAAAAmAAAAZAAAABYAAABMAAAAAAAAAAAAAAAEAAAAAAAAAAEAAACAgIAKAAAAACgAAAAoAAAAZAAAAGQAAAAAAAAAzMzMAAAAAABQAAAAUAAAAGQAAABkAAAAAAAAABcAAAAUAAAAAAAAANwIAAD/fwAA/38AAAAAAAAJAAAABAAAAAAAAAAMAAAAEAAAAAAAAAAAAAAAAAAAAAAAAAAeAAAAaAAAAAAAAAAAAAAAAAAAAAAAAAAAAAAAECcAABAnAAAAAAAAAAAAAAAAAAAAAAAAAAAAAAAAAAAAAAAAAAAAABQAAAAAAAAAwMD/AAAAAABkAAAAMgAAAAAAAABkAAAAAAAAAH9/fwAKAAAAHwAAAFQAAAC74OMF////AQAAAAAAAAAAAAAAAAAAAAAAAAAAAAAAAAAAAAAAAAAAAAAAAn9/fwCAgIADzMzMAMDA/wB/f38AAAAAAAAAAAAAAAAAAAAAAAAAAAAhAAAAGAAAABQAAADJEAAASxYAAKUZAACLGAAAECAAACYAAAAIAAAA//////////8="/>
               </a:ext>
             </a:extLst>
           </p:cNvSpPr>
@@ -12417,7 +12417,7 @@
           <p:cNvSpPr>
             <a:extLst>
               <a:ext uri="smNativeData">
-                <pr:smNativeData xmlns:pr="smNativeData" val="SMDATA_13_IrKAXRMAAAAlAAAAZAAAAA8BAAAAkAAAAEgAAACQAAAASAAAAAAAAAAAAAAAAAAAAAEAAABQAAAAAAAAAAAA4D8AAAAAAADgPwAAAAAAAOA/AAAAAAAA4D8AAAAAAADgPwAAAAAAAOA/AAAAAAAA4D8AAAAAAADgPwAAAAAAAOA/AAAAAAAA4D8CAAAAjAAAAAEAAAAAAAAASdZJAP///wgAAAAAAAAAAAAAAAAAAAAAAAAAAAAAAAAAAAAAZAAAAAEAAABAAAAAAAAAAAAAAAAAAAAAAAAAAAAAAAAAAAAAAAAAAAAAAAAAAAAAAAAAAAAAAAAAAAAAAAAAAAAAAAAAAAAAAAAAAAAAAAAAAAAAAAAAAAAAAAAAAAAAFAAAADwAAAABAAAAAAAAABx9HAAoAAAAAQAAAAIAAAAAAAAAAAAAAAAAAAAAAAAAZAAAAGQAAAAAAAAAZAAAAGQAAAAVAAAAYAAAAAAAAAAAAAAADwAAACADAAAAAAAAAAAAAAEAAACgMgAAAAAAAAAAAAABAAAAf39/AAEAAABkAAAAAAAAABQAAABAHwAAAAAAACYAAAAAAAAAwOD//wAAAAAmAAAAZAAAABYAAABMAAAAAAAAAAAAAAAEAAAAAAAAAAEAAACAgIAKAAAAACgAAAAoAAAAZAAAAGQAAAAAAAAAzMzMAAAAAABQAAAAUAAAAGQAAABkAAAAAAAAABcAAAAUAAAAAAAAAAAAAAD/fwAA/38AAAAAAAAJAAAABAAAAHlsZT4MAAAAEAAAAAAAAAAAAAAAAAAAAAAAAAAeAAAAaAAAAAAAAAAAAAAAAAAAAAAAAAAAAAAAECcAABAnAAAAAAAAAAAAAAAAAAAAAAAAAAAAAAAAAAAAAAAAAAAAABQAAAAAAAAAwMD/AAAAAABkAAAAMgAAAAAAAABkAAAAAAAAAH9/fwAKAAAAHwAAAFQAAABJ1kkA////AQAAAAAAAAAAAAAAAAAAAAAAAAAAAAAAAAAAAAAAAAAAHH0cAH9/fwCAgIADzMzMAMDA/wB/f38AAAAAAAAAAAAAAAAAAAAAAAAAAAAhAAAAGAAAABQAAAB5DQAACCAAAD0PAADGIQAAEAAAACYAAAAIAAAA//////////8="/>
+                <pr:smNativeData xmlns:pr="smNativeData" val="SMDATA_13_gcGAXRMAAAAlAAAAZAAAAA8BAAAAkAAAAEgAAACQAAAASAAAAAAAAAAAAAAAAAAAAAEAAABQAAAAAAAAAAAA4D8AAAAAAADgPwAAAAAAAOA/AAAAAAAA4D8AAAAAAADgPwAAAAAAAOA/AAAAAAAA4D8AAAAAAADgPwAAAAAAAOA/AAAAAAAA4D8CAAAAjAAAAAEAAAAAAAAASdZJAP///wgAAAAAAAAAAAAAAAAAAAAAAAAAAAAAAAAAAAAAZAAAAAEAAABAAAAAAAAAAAAAAAAAAAAAAAAAAAAAAAAAAAAAAAAAAAAAAAAAAAAAAAAAAAAAAAAAAAAAAAAAAAAAAAAAAAAAAAAAAAAAAAAAAAAAAAAAAAAAAAAAAAAAFAAAADwAAAABAAAAAAAAABx9HAAoAAAAAQAAAAIAAAAAAAAAAAAAAAAAAAAAAAAAZAAAAGQAAAAAAAAAZAAAAGQAAAAVAAAAYAAAAAAAAAAAAAAADwAAACADAAAAAAAAAAAAAAEAAACgMgAAAAAAAAAAAAABAAAAf39/AAEAAABkAAAAAAAAABQAAABAHwAAAAAAACYAAAAAAAAAwOD//wAAAAAmAAAAZAAAABYAAABMAAAAAAAAAAAAAAAEAAAAAAAAAAEAAACAgIAKAAAAACgAAAAoAAAAZAAAAGQAAAAAAAAAzMzMAAAAAABQAAAAUAAAAGQAAABkAAAAAAAAABcAAAAUAAAAAAAAAAAAAAD/fwAA/38AAAAAAAAJAAAABAAAAHlsZT4MAAAAEAAAAAAAAAAAAAAAAAAAAAAAAAAeAAAAaAAAAAAAAAAAAAAAAAAAAAAAAAAAAAAAECcAABAnAAAAAAAAAAAAAAAAAAAAAAAAAAAAAAAAAAAAAAAAAAAAABQAAAAAAAAAwMD/AAAAAABkAAAAMgAAAAAAAABkAAAAAAAAAH9/fwAKAAAAHwAAAFQAAABJ1kkA////AQAAAAAAAAAAAAAAAAAAAAAAAAAAAAAAAAAAAAAAAAAAHH0cAH9/fwCAgIADzMzMAMDA/wB/f38AAAAAAAAAAAAAAAAAAAAAAAAAAAAhAAAAGAAAABQAAAB5DQAACCAAAD0PAADGIQAAEAAAACYAAAAIAAAA//////////8="/>
               </a:ext>
             </a:extLst>
           </p:cNvSpPr>
@@ -12451,7 +12451,7 @@
           <p:cNvSpPr>
             <a:extLst>
               <a:ext uri="smNativeData">
-                <pr:smNativeData xmlns:pr="smNativeData" val="SMDATA_13_IrKAXRMAAAAlAAAAyAAAAA8BAAAAkAAAAEgAAACQAAAASAAAAAAAAAAAAAAAAAAAAAEAAABQAAAAAIIphXg83z8IPYQeQg/RPwAAAAAAAOA/AAAAAAAA4D8AAAAAAADgPwAAAAAAAOA/AAAAAAAA4D8AAAAAAADgPwAAAAAAAOA/AAAAAAAA4D8CAAAAjAAAAAEAAAAAAAAAHH0cAP///wgAAAAAAAAAAAAAAAAAAAAAAAAAAAAAAAAAAAAAZAAAAAEAAABAAAAAAAAAAAAAAAAAAAAAAAAAAAAAAAAAAAAAAAAAAAAAAAAAAAAAAAAAAAAAAAAAAAAAAAAAAAAAAAAAAAAAAAAAAAAAAAAAAAAAAAAAAAAAAAAAAAAAFAAAADwAAAAAAAAAAAAAAAAAAAkAAAAAAQAAAAAAAAAAAAAAAAAAAAAAAAAAAAAAZAAAAGQAAAAAAAAAZAAAAGQAAAAVAAAAYAAAAAAAAAAAAAAADwAAACADAAAAAAAAAAAAAAEAAACgMgAAAAAAAAAAAAABAAAAf39/AAEAAABkAAAAAAAAABQAAABAHwAAAAAAACYAAAAAAAAAwOD//wAAAAAmAAAAZAAAABYAAABMAAAAAAAAAAAAAAAEAAAAAAAAAAEAAACAgIAKAAAAACgAAAAoAAAAZAAAAGQAAAAAAAAAzMzMAAAAAABQAAAAUAAAAGQAAABkAAAAAAAAABcAAAAUAAAAAAAAAAAAAAD/fwAA/38AAAAAAAAJAAAABAAAAAEAAAAMAAAAEAAAAAAAAAAAAAAAAAAAAAAAAAAeAAAAaAAAAAAAAAAAAAAAAAAAAAAAAAAAAAAAECcAABAnAAAAAAAAAAAAAAAAAAAAAAAAAAAAAAAAAAAAAAAAAAAAABQAAAAAAAAAwMD/AAAAAABkAAAAMgAAAAAAAABkAAAAAAAAAH9/fwAKAAAAHwAAAFQAAAAcfRwA////AQAAAAAAAAAAAAAAAAAAAAAAAAAAAAAAAAAAAAAAAAAAAAAAAn9/fwCAgIADzMzMAMDA/wB/f38AAAAAAAAAAAAAAAAAAAAAAAAAAAAhAAAAGAAAABQAAACnDgAAZiAAANwQAACWIQAAEAAAACYAAAAIAAAA//////////8="/>
+                <pr:smNativeData xmlns:pr="smNativeData" val="SMDATA_13_gcGAXRMAAAAlAAAAyAAAAA8BAAAAkAAAAEgAAACQAAAASAAAAAAAAAAAAAAAAAAAAAEAAABQAAAAAIIphXg83z8IPYQeQg/RPwAAAAAAAOA/AAAAAAAA4D8AAAAAAADgPwAAAAAAAOA/AAAAAAAA4D8AAAAAAADgPwAAAAAAAOA/AAAAAAAA4D8CAAAAjAAAAAEAAAAAAAAAHH0cAP///wgAAAAAAAAAAAAAAAAAAAAAAAAAAAAAAAAAAAAAZAAAAAEAAABAAAAAAAAAAAAAAAAAAAAAAAAAAAAAAAAAAAAAAAAAAAAAAAAAAAAAAAAAAAAAAAAAAAAAAAAAAAAAAAAAAAAAAAAAAAAAAAAAAAAAAAAAAAAAAAAAAAAAFAAAADwAAAAAAAAAAAAAAAAAAAkAAAAAAQAAAAAAAAAAAAAAAAAAAAAAAAAAAAAAZAAAAGQAAAAAAAAAZAAAAGQAAAAVAAAAYAAAAAAAAAAAAAAADwAAACADAAAAAAAAAAAAAAEAAACgMgAAAAAAAAAAAAABAAAAf39/AAEAAABkAAAAAAAAABQAAABAHwAAAAAAACYAAAAAAAAAwOD//wAAAAAmAAAAZAAAABYAAABMAAAAAAAAAAAAAAAEAAAAAAAAAAEAAACAgIAKAAAAACgAAAAoAAAAZAAAAGQAAAAAAAAAzMzMAAAAAABQAAAAUAAAAGQAAABkAAAAAAAAABcAAAAUAAAAAAAAAAAAAAD/fwAA/38AAAAAAAAJAAAABAAAAAEAAAAMAAAAEAAAAAAAAAAAAAAAAAAAAAAAAAAeAAAAaAAAAAAAAAAAAAAAAAAAAAAAAAAAAAAAECcAABAnAAAAAAAAAAAAAAAAAAAAAAAAAAAAAAAAAAAAAAAAAAAAABQAAAAAAAAAwMD/AAAAAABkAAAAMgAAAAAAAABkAAAAAAAAAH9/fwAKAAAAHwAAAFQAAAAcfRwA////AQAAAAAAAAAAAAAAAAAAAAAAAAAAAAAAAAAAAAAAAAAAAAAAAn9/fwCAgIADzMzMAMDA/wB/f38AAAAAAAAAAAAAAAAAAAAAAAAAAAAhAAAAGAAAABQAAACnDgAAZiAAANwQAACWIQAAEAAAACYAAAAIAAAA//////////8="/>
               </a:ext>
             </a:extLst>
           </p:cNvSpPr>
@@ -12483,7 +12483,7 @@
           <p:cNvSpPr txBox="1">
             <a:extLst>
               <a:ext uri="smNativeData">
-                <pr:smNativeData xmlns:pr="smNativeData" val="SMDATA_13_IrKAXRMAAAAlAAAAEgAAAE8BAAAAkAAAAEgAAACQAAAASAAAAAAAAAAAAAAAAAAAAAEAAABQAAAAAAAAAAAA4D8AAAAAAADgPwAAAAAAAOA/AAAAAAAA4D8AAAAAAADgPwAAAAAAAOA/AAAAAAAA4D8AAAAAAADgPwAAAAAAAOA/AAAAAAAA4D8CAAAAjAAAAAAAAAAAAAAAu+DjDP///wgAAAAAAAAAAAAAAAAAAAAAAAAAAAAAAAAAAAAAZAAAAAEAAABAAAAAAAAAAAAAAAAAAAAAAAAAAAAAAAAAAAAAAAAAAAAAAAAAAAAAAAAAAAAAAAAAAAAAAAAAAAAAAAAAAAAAAAAAAAAAAAAAAAAAAAAAAAAAAAAAAAAAFAAAADwAAAAAAAAAAAAAAAAAAAkUAAAAAQAAABQAAAAUAAAAFAAAAAEAAAAAAAAAZAAAAGQAAAAAAAAAZAAAAGQAAAAVAAAAYAAAAAAAAAAAAAAADwAAACADAAAAAAAAAAAAAAEAAACgMgAAVgcAAKr4//8BAAAAf39/AAEAAABkAAAAAAAAABQAAABAHwAAAAAAACYAAAAAAAAAwOD//wAAAAAmAAAAZAAAABYAAABMAAAAAAAAAAAAAAAEAAAAAAAAAAEAAACAgIAKAAAAACgAAAAoAAAAZAAAAGQAAAAAAAAAzMzMAAAAAABQAAAAUAAAAGQAAABkAAAAAAAAABcAAAAUAAAAAAAAANwIAAD/fwAA/38AAAAAAAAJAAAABAAAAAAAAAAMAAAAEAAAAAAAAAAAAAAAAAAAAAAAAAAeAAAAaAAAAAAAAAAAAAAAAAAAAAAAAAAAAAAAECcAABAnAAAAAAAAAAAAAAAAAAAAAAAAAAAAAAAAAAAAAAAAAAAAABQAAAAAAAAAwMD/AAAAAABkAAAAMgAAAAAAAABkAAAAAAAAAH9/fwAKAAAAHwAAAFQAAAC74OMF////AQAAAAAAAAAAAAAAAAAAAAAAAAAAAAAAAAAAAAAAAAAAAAAAAn9/fwCAgIADzMzMAMDA/wB/f38AAAAAAAAAAAAAAAAAAAAAAAAAAAAhAAAAGAAAABQAAADHEAAA2x8AAKMZAAAbIgAAECAAACYAAAAIAAAA//////////8="/>
+                <pr:smNativeData xmlns:pr="smNativeData" val="SMDATA_13_gcGAXRMAAAAlAAAAEgAAAE8BAAAAkAAAAEgAAACQAAAASAAAAAAAAAAAAAAAAAAAAAEAAABQAAAAAAAAAAAA4D8AAAAAAADgPwAAAAAAAOA/AAAAAAAA4D8AAAAAAADgPwAAAAAAAOA/AAAAAAAA4D8AAAAAAADgPwAAAAAAAOA/AAAAAAAA4D8CAAAAjAAAAAAAAAAAAAAAu+DjDP///wgAAAAAAAAAAAAAAAAAAAAAAAAAAAAAAAAAAAAAZAAAAAEAAABAAAAAAAAAAAAAAAAAAAAAAAAAAAAAAAAAAAAAAAAAAAAAAAAAAAAAAAAAAAAAAAAAAAAAAAAAAAAAAAAAAAAAAAAAAAAAAAAAAAAAAAAAAAAAAAAAAAAAFAAAADwAAAAAAAAAAAAAAAAAAAkUAAAAAQAAABQAAAAUAAAAFAAAAAEAAAAAAAAAZAAAAGQAAAAAAAAAZAAAAGQAAAAVAAAAYAAAAAAAAAAAAAAADwAAACADAAAAAAAAAAAAAAEAAACgMgAAVgcAAKr4//8BAAAAf39/AAEAAABkAAAAAAAAABQAAABAHwAAAAAAACYAAAAAAAAAwOD//wAAAAAmAAAAZAAAABYAAABMAAAAAAAAAAAAAAAEAAAAAAAAAAEAAACAgIAKAAAAACgAAAAoAAAAZAAAAGQAAAAAAAAAzMzMAAAAAABQAAAAUAAAAGQAAABkAAAAAAAAABcAAAAUAAAAAAAAANwIAAD/fwAA/38AAAAAAAAJAAAABAAAAAAAAAAMAAAAEAAAAAAAAAAAAAAAAAAAAAAAAAAeAAAAaAAAAAAAAAAAAAAAAAAAAAAAAAAAAAAAECcAABAnAAAAAAAAAAAAAAAAAAAAAAAAAAAAAAAAAAAAAAAAAAAAABQAAAAAAAAAwMD/AAAAAABkAAAAMgAAAAAAAABkAAAAAAAAAH9/fwAKAAAAHwAAAFQAAAC74OMF////AQAAAAAAAAAAAAAAAAAAAAAAAAAAAAAAAAAAAAAAAAAAAAAAAn9/fwCAgIADzMzMAMDA/wB/f38AAAAAAAAAAAAAAAAAAAAAAAAAAAAhAAAAGAAAABQAAADHEAAA2x8AAKMZAAAbIgAAECAAACYAAAAIAAAA//////////8="/>
               </a:ext>
             </a:extLst>
           </p:cNvSpPr>
@@ -12529,7 +12529,7 @@
           <p:cNvSpPr>
             <a:extLst>
               <a:ext uri="smNativeData">
-                <pr:smNativeData xmlns:pr="smNativeData" val="SMDATA_13_IrKAXRMAAAAlAAAAZAAAAA8BAAAAkAAAAEgAAACQAAAASAAAAAAAAAAAAAAAAAAAAAEAAABQAAAAAAAAAAAA4D8AAAAAAADgPwAAAAAAAOA/AAAAAAAA4D8AAAAAAADgPwAAAAAAAOA/AAAAAAAA4D8AAAAAAADgPwAAAAAAAOA/AAAAAAAA4D8CAAAAjAAAAAEAAAAAAAAASdZJAP///wgAAAAAAAAAAAAAAAAAAAAAAAAAAAAAAAAAAAAAZAAAAAEAAABAAAAAAAAAAAAAAAAAAAAAAAAAAAAAAAAAAAAAAAAAAAAAAAAAAAAAAAAAAAAAAAAAAAAAAAAAAAAAAAAAAAAAAAAAAAAAAAAAAAAAAAAAAAAAAAAAAAAAFAAAADwAAAABAAAAAAAAABx9HAAoAAAAAQAAAAIAAAAAAAAAAAAAAAAAAAAAAAAAZAAAAGQAAAAAAAAAZAAAAGQAAAAVAAAAYAAAAAAAAAAAAAAADwAAACADAAAAAAAAAAAAAAEAAACgMgAAAAAAAAAAAAABAAAAf39/AAEAAABkAAAAAAAAABQAAABAHwAAAAAAACYAAAAAAAAAwOD//wAAAAAmAAAAZAAAABYAAABMAAAAAAAAAAAAAAAEAAAAAAAAAAEAAACAgIAKAAAAACgAAAAoAAAAZAAAAGQAAAAAAAAAzMzMAAAAAABQAAAAUAAAAGQAAABkAAAAAAAAABcAAAAUAAAAAAAAAAAAAAD/fwAA/38AAAAAAAAJAAAABAAAAAAAAAAMAAAAEAAAAAAAAAAAAAAAAAAAAAAAAAAeAAAAaAAAAAAAAAAAAAAAAAAAAAAAAAAAAAAAECcAABAnAAAAAAAAAAAAAAAAAAAAAAAAAAAAAAAAAAAAAAAAAAAAABQAAAAAAAAAwMD/AAAAAABkAAAAMgAAAAAAAABkAAAAAAAAAH9/fwAKAAAAHwAAAFQAAABJ1kkA////AQAAAAAAAAAAAAAAAAAAAAAAAAAAAAAAAAAAAAAAAAAAHH0cAH9/fwCAgIADzMzMAMDA/wB/f38AAAAAAAAAAAAAAAAAAAAAAAAAAAAhAAAAGAAAABQAAAB5DQAAYCIAAD0PAAAeJAAAEAAAACYAAAAIAAAA//////////8="/>
+                <pr:smNativeData xmlns:pr="smNativeData" val="SMDATA_13_gcGAXRMAAAAlAAAAZAAAAA8BAAAAkAAAAEgAAACQAAAASAAAAAAAAAAAAAAAAAAAAAEAAABQAAAAAAAAAAAA4D8AAAAAAADgPwAAAAAAAOA/AAAAAAAA4D8AAAAAAADgPwAAAAAAAOA/AAAAAAAA4D8AAAAAAADgPwAAAAAAAOA/AAAAAAAA4D8CAAAAjAAAAAEAAAAAAAAASdZJAP///wgAAAAAAAAAAAAAAAAAAAAAAAAAAAAAAAAAAAAAZAAAAAEAAABAAAAAAAAAAAAAAAAAAAAAAAAAAAAAAAAAAAAAAAAAAAAAAAAAAAAAAAAAAAAAAAAAAAAAAAAAAAAAAAAAAAAAAAAAAAAAAAAAAAAAAAAAAAAAAAAAAAAAFAAAADwAAAABAAAAAAAAABx9HAAoAAAAAQAAAAIAAAAAAAAAAAAAAAAAAAAAAAAAZAAAAGQAAAAAAAAAZAAAAGQAAAAVAAAAYAAAAAAAAAAAAAAADwAAACADAAAAAAAAAAAAAAEAAACgMgAAAAAAAAAAAAABAAAAf39/AAEAAABkAAAAAAAAABQAAABAHwAAAAAAACYAAAAAAAAAwOD//wAAAAAmAAAAZAAAABYAAABMAAAAAAAAAAAAAAAEAAAAAAAAAAEAAACAgIAKAAAAACgAAAAoAAAAZAAAAGQAAAAAAAAAzMzMAAAAAABQAAAAUAAAAGQAAABkAAAAAAAAABcAAAAUAAAAAAAAAAAAAAD/fwAA/38AAAAAAAAJAAAABAAAAAAAAAAMAAAAEAAAAAAAAAAAAAAAAAAAAAAAAAAeAAAAaAAAAAAAAAAAAAAAAAAAAAAAAAAAAAAAECcAABAnAAAAAAAAAAAAAAAAAAAAAAAAAAAAAAAAAAAAAAAAAAAAABQAAAAAAAAAwMD/AAAAAABkAAAAMgAAAAAAAABkAAAAAAAAAH9/fwAKAAAAHwAAAFQAAABJ1kkA////AQAAAAAAAAAAAAAAAAAAAAAAAAAAAAAAAAAAAAAAAAAAHH0cAH9/fwCAgIADzMzMAMDA/wB/f38AAAAAAAAAAAAAAAAAAAAAAAAAAAAhAAAAGAAAABQAAAB5DQAAYCIAAD0PAAAeJAAAEAAAACYAAAAIAAAA//////////8="/>
               </a:ext>
             </a:extLst>
           </p:cNvSpPr>
@@ -12563,7 +12563,7 @@
           <p:cNvSpPr>
             <a:extLst>
               <a:ext uri="smNativeData">
-                <pr:smNativeData xmlns:pr="smNativeData" val="SMDATA_13_IrKAXRMAAAAlAAAAyAAAAA8BAAAAkAAAAEgAAACQAAAASAAAAAAAAAAAAAAAAAAAAAEAAABQAAAAAIIphXg83z8IPYQeQg/RPwAAAAAAAOA/AAAAAAAA4D8AAAAAAADgPwAAAAAAAOA/AAAAAAAA4D8AAAAAAADgPwAAAAAAAOA/AAAAAAAA4D8CAAAAjAAAAAEAAAAAAAAAHH0cAP///wgAAAAAAAAAAAAAAAAAAAAAAAAAAAAAAAAAAAAAZAAAAAEAAABAAAAAAAAAAAAAAAAAAAAAAAAAAAAAAAAAAAAAAAAAAAAAAAAAAAAAAAAAAAAAAAAAAAAAAAAAAAAAAAAAAAAAAAAAAAAAAAAAAAAAAAAAAAAAAAAAAAAAFAAAADwAAAAAAAAAAAAAAAAAAAkAAAAAAQAAAAAAAAAAAAAAAAAAAAAAAAAAAAAAZAAAAGQAAAAAAAAAZAAAAGQAAAAVAAAAYAAAAAAAAAAAAAAADwAAACADAAAAAAAAAAAAAAEAAACgMgAAAAAAAAAAAAABAAAAf39/AAEAAABkAAAAAAAAABQAAABAHwAAAAAAACYAAAAAAAAAwOD//wAAAAAmAAAAZAAAABYAAABMAAAAAAAAAAAAAAAEAAAAAAAAAAEAAACAgIAKAAAAACgAAAAoAAAAZAAAAGQAAAAAAAAAzMzMAAAAAABQAAAAUAAAAGQAAABkAAAAAAAAABcAAAAUAAAAAAAAAAAAAAD/fwAA/38AAAAAAAAJAAAABAAAAAAAAAAMAAAAEAAAAAAAAAAAAAAAAAAAAAAAAAAeAAAAaAAAAAAAAAAAAAAAAAAAAAAAAAAAAAAAECcAABAnAAAAAAAAAAAAAAAAAAAAAAAAAAAAAAAAAAAAAAAAAAAAABQAAAAAAAAAwMD/AAAAAABkAAAAMgAAAAAAAABkAAAAAAAAAH9/fwAKAAAAHwAAAFQAAAAcfRwA////AQAAAAAAAAAAAAAAAAAAAAAAAAAAAAAAAAAAAAAAAAAAAAAAAn9/fwCAgIADzMzMAMDA/wB/f38AAAAAAAAAAAAAAAAAAAAAAAAAAAAhAAAAGAAAABQAAACnDgAAviIAANwQAADuIwAAEAAAACYAAAAIAAAA//////////8="/>
+                <pr:smNativeData xmlns:pr="smNativeData" val="SMDATA_13_gcGAXRMAAAAlAAAAyAAAAA8BAAAAkAAAAEgAAACQAAAASAAAAAAAAAAAAAAAAAAAAAEAAABQAAAAAIIphXg83z8IPYQeQg/RPwAAAAAAAOA/AAAAAAAA4D8AAAAAAADgPwAAAAAAAOA/AAAAAAAA4D8AAAAAAADgPwAAAAAAAOA/AAAAAAAA4D8CAAAAjAAAAAEAAAAAAAAAHH0cAP///wgAAAAAAAAAAAAAAAAAAAAAAAAAAAAAAAAAAAAAZAAAAAEAAABAAAAAAAAAAAAAAAAAAAAAAAAAAAAAAAAAAAAAAAAAAAAAAAAAAAAAAAAAAAAAAAAAAAAAAAAAAAAAAAAAAAAAAAAAAAAAAAAAAAAAAAAAAAAAAAAAAAAAFAAAADwAAAAAAAAAAAAAAAAAAAkAAAAAAQAAAAAAAAAAAAAAAAAAAAAAAAAAAAAAZAAAAGQAAAAAAAAAZAAAAGQAAAAVAAAAYAAAAAAAAAAAAAAADwAAACADAAAAAAAAAAAAAAEAAACgMgAAAAAAAAAAAAABAAAAf39/AAEAAABkAAAAAAAAABQAAABAHwAAAAAAACYAAAAAAAAAwOD//wAAAAAmAAAAZAAAABYAAABMAAAAAAAAAAAAAAAEAAAAAAAAAAEAAACAgIAKAAAAACgAAAAoAAAAZAAAAGQAAAAAAAAAzMzMAAAAAABQAAAAUAAAAGQAAABkAAAAAAAAABcAAAAUAAAAAAAAAAAAAAD/fwAA/38AAAAAAAAJAAAABAAAAAAAAAAMAAAAEAAAAAAAAAAAAAAAAAAAAAAAAAAeAAAAaAAAAAAAAAAAAAAAAAAAAAAAAAAAAAAAECcAABAnAAAAAAAAAAAAAAAAAAAAAAAAAAAAAAAAAAAAAAAAAAAAABQAAAAAAAAAwMD/AAAAAABkAAAAMgAAAAAAAABkAAAAAAAAAH9/fwAKAAAAHwAAAFQAAAAcfRwA////AQAAAAAAAAAAAAAAAAAAAAAAAAAAAAAAAAAAAAAAAAAAAAAAAn9/fwCAgIADzMzMAMDA/wB/f38AAAAAAAAAAAAAAAAAAAAAAAAAAAAhAAAAGAAAABQAAACnDgAAviIAANwQAADuIwAAEAAAACYAAAAIAAAA//////////8="/>
               </a:ext>
             </a:extLst>
           </p:cNvSpPr>
@@ -12595,7 +12595,7 @@
           <p:cNvSpPr txBox="1">
             <a:extLst>
               <a:ext uri="smNativeData">
-                <pr:smNativeData xmlns:pr="smNativeData" val="SMDATA_13_IrKAXRMAAAAlAAAAEgAAAE8BAAAAkAAAAEgAAACQAAAASAAAAAAAAAAAAAAAAAAAAAEAAABQAAAAAAAAAAAA4D8AAAAAAADgPwAAAAAAAOA/AAAAAAAA4D8AAAAAAADgPwAAAAAAAOA/AAAAAAAA4D8AAAAAAADgPwAAAAAAAOA/AAAAAAAA4D8CAAAAjAAAAAAAAAAAAAAAu+DjDP///wgAAAAAAAAAAAAAAAAAAAAAAAAAAAAAAAAAAAAAZAAAAAEAAABAAAAAAAAAAAAAAAAAAAAAAAAAAAAAAAAAAAAAAAAAAAAAAAAAAAAAAAAAAAAAAAAAAAAAAAAAAAAAAAAAAAAAAAAAAAAAAAAAAAAAAAAAAAAAAAAAAAAAFAAAADwAAAAAAAAAAAAAAAAAAAkUAAAAAQAAABQAAAAUAAAAFAAAAAEAAAAAAAAAZAAAAGQAAAAAAAAAZAAAAGQAAAAVAAAAYAAAAAAAAAAAAAAADwAAACADAAAAAAAAAAAAAAEAAACgMgAAVgcAAKr4//8BAAAAf39/AAEAAABkAAAAAAAAABQAAABAHwAAAAAAACYAAAAAAAAAwOD//wAAAAAmAAAAZAAAABYAAABMAAAAAAAAAAAAAAAEAAAAAAAAAAEAAACAgIAKAAAAACgAAAAoAAAAZAAAAGQAAAAAAAAAzMzMAAAAAABQAAAAUAAAAGQAAABkAAAAAAAAABcAAAAUAAAAAAAAANwIAAD/fwAA/38AAAAAAAAJAAAABAAAAAAAAAAMAAAAEAAAAAAAAAAAAAAAAAAAAAAAAAAeAAAAaAAAAAAAAAAAAAAAAAAAAAAAAAAAAAAAECcAABAnAAAAAAAAAAAAAAAAAAAAAAAAAAAAAAAAAAAAAAAAAAAAABQAAAAAAAAAwMD/AAAAAABkAAAAMgAAAAAAAABkAAAAAAAAAH9/fwAKAAAAHwAAAFQAAAC74OMF////AQAAAAAAAAAAAAAAAAAAAAAAAAAAAAAAAAAAAAAAAAAAAAAAAn9/fwCAgIADzMzMAMDA/wB/f38AAAAAAAAAAAAAAAAAAAAAAAAAAAAhAAAAGAAAABQAAADHEAAAMyIAAKMZAABzJAAAECAAACYAAAAIAAAA//////////8="/>
+                <pr:smNativeData xmlns:pr="smNativeData" val="SMDATA_13_gcGAXRMAAAAlAAAAEgAAAE8BAAAAkAAAAEgAAACQAAAASAAAAAAAAAAAAAAAAAAAAAEAAABQAAAAAAAAAAAA4D8AAAAAAADgPwAAAAAAAOA/AAAAAAAA4D8AAAAAAADgPwAAAAAAAOA/AAAAAAAA4D8AAAAAAADgPwAAAAAAAOA/AAAAAAAA4D8CAAAAjAAAAAAAAAAAAAAAu+DjDP///wgAAAAAAAAAAAAAAAAAAAAAAAAAAAAAAAAAAAAAZAAAAAEAAABAAAAAAAAAAAAAAAAAAAAAAAAAAAAAAAAAAAAAAAAAAAAAAAAAAAAAAAAAAAAAAAAAAAAAAAAAAAAAAAAAAAAAAAAAAAAAAAAAAAAAAAAAAAAAAAAAAAAAFAAAADwAAAAAAAAAAAAAAAAAAAkUAAAAAQAAABQAAAAUAAAAFAAAAAEAAAAAAAAAZAAAAGQAAAAAAAAAZAAAAGQAAAAVAAAAYAAAAAAAAAAAAAAADwAAACADAAAAAAAAAAAAAAEAAACgMgAAVgcAAKr4//8BAAAAf39/AAEAAABkAAAAAAAAABQAAABAHwAAAAAAACYAAAAAAAAAwOD//wAAAAAmAAAAZAAAABYAAABMAAAAAAAAAAAAAAAEAAAAAAAAAAEAAACAgIAKAAAAACgAAAAoAAAAZAAAAGQAAAAAAAAAzMzMAAAAAABQAAAAUAAAAGQAAABkAAAAAAAAABcAAAAUAAAAAAAAANwIAAD/fwAA/38AAAAAAAAJAAAABAAAAAAAAAAMAAAAEAAAAAAAAAAAAAAAAAAAAAAAAAAeAAAAaAAAAAAAAAAAAAAAAAAAAAAAAAAAAAAAECcAABAnAAAAAAAAAAAAAAAAAAAAAAAAAAAAAAAAAAAAAAAAAAAAABQAAAAAAAAAwMD/AAAAAABkAAAAMgAAAAAAAABkAAAAAAAAAH9/fwAKAAAAHwAAAFQAAAC74OMF////AQAAAAAAAAAAAAAAAAAAAAAAAAAAAAAAAAAAAAAAAAAAAAAAAn9/fwCAgIADzMzMAMDA/wB/f38AAAAAAAAAAAAAAAAAAAAAAAAAAAAhAAAAGAAAABQAAADHEAAAMyIAAKMZAABzJAAAECAAACYAAAAIAAAA//////////8="/>
               </a:ext>
             </a:extLst>
           </p:cNvSpPr>
@@ -12641,7 +12641,7 @@
           <p:cNvSpPr>
             <a:extLst>
               <a:ext uri="smNativeData">
-                <pr:smNativeData xmlns:pr="smNativeData" val="SMDATA_13_IrKAXRMAAAAlAAAAZAAAAA8BAAAAkAAAAEgAAACQAAAASAAAAAAAAAAAAAAAAAAAAAEAAABQAAAAAAAAAAAA4D8AAAAAAADgPwAAAAAAAOA/AAAAAAAA4D8AAAAAAADgPwAAAAAAAOA/AAAAAAAA4D8AAAAAAADgPwAAAAAAAOA/AAAAAAAA4D8CAAAAjAAAAAEAAAAAAAAASdZJAP///wgAAAAAAAAAAAAAAAAAAAAAAAAAAAAAAAAAAAAAZAAAAAEAAABAAAAAAAAAAAAAAAAAAAAAAAAAAAAAAAAAAAAAAAAAAAAAAAAAAAAAAAAAAAAAAAAAAAAAAAAAAAAAAAAAAAAAAAAAAAAAAAAAAAAAAAAAAAAAAAAAAAAAFAAAADwAAAABAAAAAAAAABx9HAAoAAAAAQAAAAIAAAAAAAAAAAAAAAAAAAAAAAAAZAAAAGQAAAAAAAAAZAAAAGQAAAAVAAAAYAAAAAAAAAAAAAAADwAAACADAAAAAAAAAAAAAAEAAACgMgAAAAAAAAAAAAABAAAAf39/AAEAAABkAAAAAAAAABQAAABAHwAAAAAAACYAAAAAAAAAwOD//wAAAAAmAAAAZAAAABYAAABMAAAAAAAAAAAAAAAEAAAAAAAAAAEAAACAgIAKAAAAACgAAAAoAAAAZAAAAGQAAAAAAAAAzMzMAAAAAABQAAAAUAAAAGQAAABkAAAAAAAAABcAAAAUAAAAAAAAAAAAAAD/fwAA/38AAAAAAAAJAAAABAAAAAAAAAAMAAAAEAAAAAAAAAAAAAAAAAAAAAAAAAAeAAAAaAAAAAAAAAAAAAAAAAAAAAAAAAAAAAAAECcAABAnAAAAAAAAAAAAAAAAAAAAAAAAAAAAAAAAAAAAAAAAAAAAABQAAAAAAAAAwMD/AAAAAABkAAAAMgAAAAAAAABkAAAAAAAAAH9/fwAKAAAAHwAAAFQAAABJ1kkA////AQAAAAAAAAAAAAAAAAAAAAAAAAAAAAAAAAAAAAAAAAAAHH0cAH9/fwCAgIADzMzMAMDA/wB/f38AAAAAAAAAAAAAAAAAAAAAAAAAAAAhAAAAGAAAABQAAAB5DQAAuCQAAD0PAAB2JgAAEAAAACYAAAAIAAAA//////////8="/>
+                <pr:smNativeData xmlns:pr="smNativeData" val="SMDATA_13_gcGAXRMAAAAlAAAAZAAAAA8BAAAAkAAAAEgAAACQAAAASAAAAAAAAAAAAAAAAAAAAAEAAABQAAAAAAAAAAAA4D8AAAAAAADgPwAAAAAAAOA/AAAAAAAA4D8AAAAAAADgPwAAAAAAAOA/AAAAAAAA4D8AAAAAAADgPwAAAAAAAOA/AAAAAAAA4D8CAAAAjAAAAAEAAAAAAAAASdZJAP///wgAAAAAAAAAAAAAAAAAAAAAAAAAAAAAAAAAAAAAZAAAAAEAAABAAAAAAAAAAAAAAAAAAAAAAAAAAAAAAAAAAAAAAAAAAAAAAAAAAAAAAAAAAAAAAAAAAAAAAAAAAAAAAAAAAAAAAAAAAAAAAAAAAAAAAAAAAAAAAAAAAAAAFAAAADwAAAABAAAAAAAAABx9HAAoAAAAAQAAAAIAAAAAAAAAAAAAAAAAAAAAAAAAZAAAAGQAAAAAAAAAZAAAAGQAAAAVAAAAYAAAAAAAAAAAAAAADwAAACADAAAAAAAAAAAAAAEAAACgMgAAAAAAAAAAAAABAAAAf39/AAEAAABkAAAAAAAAABQAAABAHwAAAAAAACYAAAAAAAAAwOD//wAAAAAmAAAAZAAAABYAAABMAAAAAAAAAAAAAAAEAAAAAAAAAAEAAACAgIAKAAAAACgAAAAoAAAAZAAAAGQAAAAAAAAAzMzMAAAAAABQAAAAUAAAAGQAAABkAAAAAAAAABcAAAAUAAAAAAAAAAAAAAD/fwAA/38AAAAAAAAJAAAABAAAAAAAAAAMAAAAEAAAAAAAAAAAAAAAAAAAAAAAAAAeAAAAaAAAAAAAAAAAAAAAAAAAAAAAAAAAAAAAECcAABAnAAAAAAAAAAAAAAAAAAAAAAAAAAAAAAAAAAAAAAAAAAAAABQAAAAAAAAAwMD/AAAAAABkAAAAMgAAAAAAAABkAAAAAAAAAH9/fwAKAAAAHwAAAFQAAABJ1kkA////AQAAAAAAAAAAAAAAAAAAAAAAAAAAAAAAAAAAAAAAAAAAHH0cAH9/fwCAgIADzMzMAMDA/wB/f38AAAAAAAAAAAAAAAAAAAAAAAAAAAAhAAAAGAAAABQAAAB5DQAAuCQAAD0PAAB2JgAAEAAAACYAAAAIAAAA//////////8="/>
               </a:ext>
             </a:extLst>
           </p:cNvSpPr>
@@ -12675,7 +12675,7 @@
           <p:cNvSpPr>
             <a:extLst>
               <a:ext uri="smNativeData">
-                <pr:smNativeData xmlns:pr="smNativeData" val="SMDATA_13_IrKAXRMAAAAlAAAAyAAAAA8BAAAAkAAAAEgAAACQAAAASAAAAAAAAAAAAAAAAAAAAAEAAABQAAAAAIIphXg83z8IPYQeQg/RPwAAAAAAAOA/AAAAAAAA4D8AAAAAAADgPwAAAAAAAOA/AAAAAAAA4D8AAAAAAADgPwAAAAAAAOA/AAAAAAAA4D8CAAAAjAAAAAEAAAAAAAAAHH0cAP///wgAAAAAAAAAAAAAAAAAAAAAAAAAAAAAAAAAAAAAZAAAAAEAAABAAAAAAAAAAAAAAAAAAAAAAAAAAAAAAAAAAAAAAAAAAAAAAAAAAAAAAAAAAAAAAAAAAAAAAAAAAAAAAAAAAAAAAAAAAAAAAAAAAAAAAAAAAAAAAAAAAAAAFAAAADwAAAAAAAAAAAAAAAAAAAkAAAAAAQAAAAAAAAAAAAAAAAAAAAAAAAAAAAAAZAAAAGQAAAAAAAAAZAAAAGQAAAAVAAAAYAAAAAAAAAAAAAAADwAAACADAAAAAAAAAAAAAAEAAACgMgAAAAAAAAAAAAABAAAAf39/AAEAAABkAAAAAAAAABQAAABAHwAAAAAAACYAAAAAAAAAwOD//wAAAAAmAAAAZAAAABYAAABMAAAAAAAAAAAAAAAEAAAAAAAAAAEAAACAgIAKAAAAACgAAAAoAAAAZAAAAGQAAAAAAAAAzMzMAAAAAABQAAAAUAAAAGQAAABkAAAAAAAAABcAAAAUAAAAAAAAAAAAAAD/fwAA/38AAAAAAAAJAAAABAAAAAAAAAAMAAAAEAAAAAAAAAAAAAAAAAAAAAAAAAAeAAAAaAAAAAAAAAAAAAAAAAAAAAAAAAAAAAAAECcAABAnAAAAAAAAAAAAAAAAAAAAAAAAAAAAAAAAAAAAAAAAAAAAABQAAAAAAAAAwMD/AAAAAABkAAAAMgAAAAAAAABkAAAAAAAAAH9/fwAKAAAAHwAAAFQAAAAcfRwA////AQAAAAAAAAAAAAAAAAAAAAAAAAAAAAAAAAAAAAAAAAAAAAAAAn9/fwCAgIADzMzMAMDA/wB/f38AAAAAAAAAAAAAAAAAAAAAAAAAAAAhAAAAGAAAABQAAACnDgAAFiUAANwQAABGJgAAEAAAACYAAAAIAAAA//////////8="/>
+                <pr:smNativeData xmlns:pr="smNativeData" val="SMDATA_13_gcGAXRMAAAAlAAAAyAAAAA8BAAAAkAAAAEgAAACQAAAASAAAAAAAAAAAAAAAAAAAAAEAAABQAAAAAIIphXg83z8IPYQeQg/RPwAAAAAAAOA/AAAAAAAA4D8AAAAAAADgPwAAAAAAAOA/AAAAAAAA4D8AAAAAAADgPwAAAAAAAOA/AAAAAAAA4D8CAAAAjAAAAAEAAAAAAAAAHH0cAP///wgAAAAAAAAAAAAAAAAAAAAAAAAAAAAAAAAAAAAAZAAAAAEAAABAAAAAAAAAAAAAAAAAAAAAAAAAAAAAAAAAAAAAAAAAAAAAAAAAAAAAAAAAAAAAAAAAAAAAAAAAAAAAAAAAAAAAAAAAAAAAAAAAAAAAAAAAAAAAAAAAAAAAFAAAADwAAAAAAAAAAAAAAAAAAAkAAAAAAQAAAAAAAAAAAAAAAAAAAAAAAAAAAAAAZAAAAGQAAAAAAAAAZAAAAGQAAAAVAAAAYAAAAAAAAAAAAAAADwAAACADAAAAAAAAAAAAAAEAAACgMgAAAAAAAAAAAAABAAAAf39/AAEAAABkAAAAAAAAABQAAABAHwAAAAAAACYAAAAAAAAAwOD//wAAAAAmAAAAZAAAABYAAABMAAAAAAAAAAAAAAAEAAAAAAAAAAEAAACAgIAKAAAAACgAAAAoAAAAZAAAAGQAAAAAAAAAzMzMAAAAAABQAAAAUAAAAGQAAABkAAAAAAAAABcAAAAUAAAAAAAAAAAAAAD/fwAA/38AAAAAAAAJAAAABAAAAAAAAAAMAAAAEAAAAAAAAAAAAAAAAAAAAAAAAAAeAAAAaAAAAAAAAAAAAAAAAAAAAAAAAAAAAAAAECcAABAnAAAAAAAAAAAAAAAAAAAAAAAAAAAAAAAAAAAAAAAAAAAAABQAAAAAAAAAwMD/AAAAAABkAAAAMgAAAAAAAABkAAAAAAAAAH9/fwAKAAAAHwAAAFQAAAAcfRwA////AQAAAAAAAAAAAAAAAAAAAAAAAAAAAAAAAAAAAAAAAAAAAAAAAn9/fwCAgIADzMzMAMDA/wB/f38AAAAAAAAAAAAAAAAAAAAAAAAAAAAhAAAAGAAAABQAAACnDgAAFiUAANwQAABGJgAAEAAAACYAAAAIAAAA//////////8="/>
               </a:ext>
             </a:extLst>
           </p:cNvSpPr>
@@ -12707,7 +12707,7 @@
           <p:cNvSpPr txBox="1">
             <a:extLst>
               <a:ext uri="smNativeData">
-                <pr:smNativeData xmlns:pr="smNativeData" val="SMDATA_13_IrKAXRMAAAAlAAAAEgAAAE8BAAAAkAAAAEgAAACQAAAASAAAAAAAAAAAAAAAAAAAAAEAAABQAAAAAAAAAAAA4D8AAAAAAADgPwAAAAAAAOA/AAAAAAAA4D8AAAAAAADgPwAAAAAAAOA/AAAAAAAA4D8AAAAAAADgPwAAAAAAAOA/AAAAAAAA4D8CAAAAjAAAAAAAAAAAAAAAu+DjDP///wgAAAAAAAAAAAAAAAAAAAAAAAAAAAAAAAAAAAAAZAAAAAEAAABAAAAAAAAAAAAAAAAAAAAAAAAAAAAAAAAAAAAAAAAAAAAAAAAAAAAAAAAAAAAAAAAAAAAAAAAAAAAAAAAAAAAAAAAAAAAAAAAAAAAAAAAAAAAAAAAAAAAAFAAAADwAAAAAAAAAAAAAAAAAAAkUAAAAAQAAABQAAAAUAAAAFAAAAAEAAAAAAAAAZAAAAGQAAAAAAAAAZAAAAGQAAAAVAAAAYAAAAAAAAAAAAAAADwAAACADAAAAAAAAAAAAAAEAAACgMgAAVgcAAKr4//8BAAAAf39/AAEAAABkAAAAAAAAABQAAABAHwAAAAAAACYAAAAAAAAAwOD//wAAAAAmAAAAZAAAABYAAABMAAAAAAAAAAAAAAAEAAAAAAAAAAEAAACAgIAKAAAAACgAAAAoAAAAZAAAAGQAAAAAAAAAzMzMAAAAAABQAAAAUAAAAGQAAABkAAAAAAAAABcAAAAUAAAAAAAAANwIAAD/fwAA/38AAAAAAAAJAAAABAAAAAAAAAAMAAAAEAAAAAAAAAAAAAAAAAAAAAAAAAAeAAAAaAAAAAAAAAAAAAAAAAAAAAAAAAAAAAAAECcAABAnAAAAAAAAAAAAAAAAAAAAAAAAAAAAAAAAAAAAAAAAAAAAABQAAAAAAAAAwMD/AAAAAABkAAAAMgAAAAAAAABkAAAAAAAAAH9/fwAKAAAAHwAAAFQAAAC74OMF////AQAAAAAAAAAAAAAAAAAAAAAAAAAAAAAAAAAAAAAAAAAAAAAAAn9/fwCAgIADzMzMAMDA/wB/f38AAAAAAAAAAAAAAAAAAAAAAAAAAAAhAAAAGAAAABQAAADHEAAAiyQAAKMZAADLJgAAECAAACYAAAAIAAAA//////////8="/>
+                <pr:smNativeData xmlns:pr="smNativeData" val="SMDATA_13_gcGAXRMAAAAlAAAAEgAAAE8BAAAAkAAAAEgAAACQAAAASAAAAAAAAAAAAAAAAAAAAAEAAABQAAAAAAAAAAAA4D8AAAAAAADgPwAAAAAAAOA/AAAAAAAA4D8AAAAAAADgPwAAAAAAAOA/AAAAAAAA4D8AAAAAAADgPwAAAAAAAOA/AAAAAAAA4D8CAAAAjAAAAAAAAAAAAAAAu+DjDP///wgAAAAAAAAAAAAAAAAAAAAAAAAAAAAAAAAAAAAAZAAAAAEAAABAAAAAAAAAAAAAAAAAAAAAAAAAAAAAAAAAAAAAAAAAAAAAAAAAAAAAAAAAAAAAAAAAAAAAAAAAAAAAAAAAAAAAAAAAAAAAAAAAAAAAAAAAAAAAAAAAAAAAFAAAADwAAAAAAAAAAAAAAAAAAAkUAAAAAQAAABQAAAAUAAAAFAAAAAEAAAAAAAAAZAAAAGQAAAAAAAAAZAAAAGQAAAAVAAAAYAAAAAAAAAAAAAAADwAAACADAAAAAAAAAAAAAAEAAACgMgAAVgcAAKr4//8BAAAAf39/AAEAAABkAAAAAAAAABQAAABAHwAAAAAAACYAAAAAAAAAwOD//wAAAAAmAAAAZAAAABYAAABMAAAAAAAAAAAAAAAEAAAAAAAAAAEAAACAgIAKAAAAACgAAAAoAAAAZAAAAGQAAAAAAAAAzMzMAAAAAABQAAAAUAAAAGQAAABkAAAAAAAAABcAAAAUAAAAAAAAANwIAAD/fwAA/38AAAAAAAAJAAAABAAAAAAAAAAMAAAAEAAAAAAAAAAAAAAAAAAAAAAAAAAeAAAAaAAAAAAAAAAAAAAAAAAAAAAAAAAAAAAAECcAABAnAAAAAAAAAAAAAAAAAAAAAAAAAAAAAAAAAAAAAAAAAAAAABQAAAAAAAAAwMD/AAAAAABkAAAAMgAAAAAAAABkAAAAAAAAAH9/fwAKAAAAHwAAAFQAAAC74OMF////AQAAAAAAAAAAAAAAAAAAAAAAAAAAAAAAAAAAAAAAAAAAAAAAAn9/fwCAgIADzMzMAMDA/wB/f38AAAAAAAAAAAAAAAAAAAAAAAAAAAAhAAAAGAAAABQAAADHEAAAiyQAAKMZAADLJgAAECAAACYAAAAIAAAA//////////8="/>
               </a:ext>
             </a:extLst>
           </p:cNvSpPr>
@@ -12753,7 +12753,7 @@
           <p:cNvSpPr>
             <a:extLst>
               <a:ext uri="smNativeData">
-                <pr:smNativeData xmlns:pr="smNativeData" val="SMDATA_13_IrKAXRMAAAAlAAAAZAAAAA8BAAAAkAAAAEgAAACQAAAASAAAAAAAAAAAAAAAAAAAAAEAAABQAAAAAAAAAAAA4D8AAAAAAADgPwAAAAAAAOA/AAAAAAAA4D8AAAAAAADgPwAAAAAAAOA/AAAAAAAA4D8AAAAAAADgPwAAAAAAAOA/AAAAAAAA4D8CAAAAjAAAAAEAAAAAAAAAhlHdAP///wgAAAAAAAAAAAAAAAAAAAAAAAAAAAAAAAAAAAAAZAAAAAEAAABAAAAAAAAAAAAAAAAAAAAAAAAAAAAAAAAAAAAAAAAAAAAAAAAAAAAAAAAAAAAAAAAAAAAAAAAAAAAAAAAAAAAAAAAAAAAAAAAAAAAAAAAAAAAAAAAAAAAAFAAAADwAAAABAAAAAAAAADYKngAoAAAAAQAAAAIAAAAAAAAAAAAAAAAAAAAAAAAAZAAAAGQAAAAAAAAAZAAAAGQAAAAVAAAAYAAAAAAAAAAAAAAADwAAACADAAAAAAAAAAAAAAEAAACgMgAAAAAAAAAAAAABAAAAf39/AAEAAABkAAAAAAAAABQAAABAHwAAAAAAACYAAAAAAAAAwOD//wAAAAAmAAAAZAAAABYAAABMAAAAAAAAAAAAAAAEAAAAAAAAAAEAAACAgIAKAAAAACgAAAAoAAAAZAAAAGQAAAAAAAAAzMzMAAAAAABQAAAAUAAAAGQAAABkAAAAAAAAABcAAAAUAAAAAAAAAAAAAAD/fwAA/38AAAAAAAAJAAAABAAAAAAAAAAMAAAAEAAAAAAAAAAAAAAAAAAAAAAAAAAeAAAAaAAAAAAAAAAAAAAAAAAAAAAAAAAAAAAAECcAABAnAAAAAAAAAAAAAAAAAAAAAAAAAAAAAAAAAAAAAAAAAAAAABQAAAAAAAAAwMD/AAAAAABkAAAAMgAAAAAAAABkAAAAAAAAAH9/fwAKAAAAHwAAAFQAAACGUd0A////AQAAAAAAAAAAAAAAAAAAAAAAAAAAAAAAAAAAAAAAAAAANgqeAH9/fwCAgIADzMzMAMDA/wB/f38AAAAAAAAAAAAAAAAAAAAAAAAAAAAhAAAAGAAAABQAAAC5IAAAOhQAAH0iAAD4FQAAEAAAACYAAAAIAAAA//////////8="/>
+                <pr:smNativeData xmlns:pr="smNativeData" val="SMDATA_13_gcGAXRMAAAAlAAAAZAAAAA8BAAAAkAAAAEgAAACQAAAASAAAAAAAAAAAAAAAAAAAAAEAAABQAAAAAAAAAAAA4D8AAAAAAADgPwAAAAAAAOA/AAAAAAAA4D8AAAAAAADgPwAAAAAAAOA/AAAAAAAA4D8AAAAAAADgPwAAAAAAAOA/AAAAAAAA4D8CAAAAjAAAAAEAAAAAAAAAhlHdAP///wgAAAAAAAAAAAAAAAAAAAAAAAAAAAAAAAAAAAAAZAAAAAEAAABAAAAAAAAAAAAAAAAAAAAAAAAAAAAAAAAAAAAAAAAAAAAAAAAAAAAAAAAAAAAAAAAAAAAAAAAAAAAAAAAAAAAAAAAAAAAAAAAAAAAAAAAAAAAAAAAAAAAAFAAAADwAAAABAAAAAAAAADYKngAoAAAAAQAAAAIAAAAAAAAAAAAAAAAAAAAAAAAAZAAAAGQAAAAAAAAAZAAAAGQAAAAVAAAAYAAAAAAAAAAAAAAADwAAACADAAAAAAAAAAAAAAEAAACgMgAAAAAAAAAAAAABAAAAf39/AAEAAABkAAAAAAAAABQAAABAHwAAAAAAACYAAAAAAAAAwOD//wAAAAAmAAAAZAAAABYAAABMAAAAAAAAAAAAAAAEAAAAAAAAAAEAAACAgIAKAAAAACgAAAAoAAAAZAAAAGQAAAAAAAAAzMzMAAAAAABQAAAAUAAAAGQAAABkAAAAAAAAABcAAAAUAAAAAAAAAAAAAAD/fwAA/38AAAAAAAAJAAAABAAAAAAAAAAMAAAAEAAAAAAAAAAAAAAAAAAAAAAAAAAeAAAAaAAAAAAAAAAAAAAAAAAAAAAAAAAAAAAAECcAABAnAAAAAAAAAAAAAAAAAAAAAAAAAAAAAAAAAAAAAAAAAAAAABQAAAAAAAAAwMD/AAAAAABkAAAAMgAAAAAAAABkAAAAAAAAAH9/fwAKAAAAHwAAAFQAAACGUd0A////AQAAAAAAAAAAAAAAAAAAAAAAAAAAAAAAAAAAAAAAAAAANgqeAH9/fwCAgIADzMzMAMDA/wB/f38AAAAAAAAAAAAAAAAAAAAAAAAAAAAhAAAAGAAAABQAAAC5IAAAOhQAAH0iAAD4FQAAEAAAACYAAAAIAAAA//////////8="/>
               </a:ext>
             </a:extLst>
           </p:cNvSpPr>
@@ -12787,7 +12787,7 @@
           <p:cNvSpPr>
             <a:extLst>
               <a:ext uri="smNativeData">
-                <pr:smNativeData xmlns:pr="smNativeData" val="SMDATA_13_IrKAXRMAAAAlAAAAyAAAAA8BAAAAkAAAAEgAAACQAAAASAAAAAAAAAAAAAAAAAAAAAEAAABQAAAAAIIphXg83z8IPYQeQg/RPwAAAAAAAOA/AAAAAAAA4D8AAAAAAADgPwAAAAAAAOA/AAAAAAAA4D8AAAAAAADgPwAAAAAAAOA/AAAAAAAA4D8CAAAAjAAAAAEAAAAAAAAANgqeAP///wgAAAAAAAAAAAAAAAAAAAAAAAAAAAAAAAAAAAAAZAAAAAEAAABAAAAAAAAAAAAAAAAAAAAAAAAAAAAAAAAAAAAAAAAAAAAAAAAAAAAAAAAAAAAAAAAAAAAAAAAAAAAAAAAAAAAAAAAAAAAAAAAAAAAAAAAAAAAAAAAAAAAAFAAAADwAAAAAAAAAAAAAAAAAAAkAAAAAAQAAAAAAAAAAAAAAAAAAAAAAAAAAAAAAZAAAAGQAAAAAAAAAZAAAAGQAAAAVAAAAYAAAAAAAAAAAAAAADwAAACADAAAAAAAAAAAAAAEAAACgMgAAAAAAAAAAAAABAAAAf39/AAEAAABkAAAAAAAAABQAAABAHwAAAAAAACYAAAAAAAAAwOD//wAAAAAmAAAAZAAAABYAAABMAAAAAAAAAAAAAAAEAAAAAAAAAAEAAACAgIAKAAAAACgAAAAoAAAAZAAAAGQAAAAAAAAAzMzMAAAAAABQAAAAUAAAAGQAAABkAAAAAAAAABcAAAAUAAAAAAAAAAAAAAD/fwAA/38AAAAAAAAJAAAABAAAAAAAAAAMAAAAEAAAAAAAAAAAAAAAAAAAAAAAAAAeAAAAaAAAAAAAAAAAAAAAAAAAAAAAAAAAAAAAECcAABAnAAAAAAAAAAAAAAAAAAAAAAAAAAAAAAAAAAAAAAAAAAAAABQAAAAAAAAAwMD/AAAAAABkAAAAMgAAAAAAAABkAAAAAAAAAH9/fwAKAAAAHwAAAFQAAAA2Cp4A////AQAAAAAAAAAAAAAAAAAAAAAAAAAAAAAAAAAAAAAAAAAAAAAAAn9/fwCAgIADzMzMAMDA/wB/f38AAAAAAAAAAAAAAAAAAAAAAAAAAAAhAAAAGAAAABQAAADnIQAAmBQAABwkAADIFQAAEAAAACYAAAAIAAAA//////////8="/>
+                <pr:smNativeData xmlns:pr="smNativeData" val="SMDATA_13_gcGAXRMAAAAlAAAAyAAAAA8BAAAAkAAAAEgAAACQAAAASAAAAAAAAAAAAAAAAAAAAAEAAABQAAAAAIIphXg83z8IPYQeQg/RPwAAAAAAAOA/AAAAAAAA4D8AAAAAAADgPwAAAAAAAOA/AAAAAAAA4D8AAAAAAADgPwAAAAAAAOA/AAAAAAAA4D8CAAAAjAAAAAEAAAAAAAAANgqeAP///wgAAAAAAAAAAAAAAAAAAAAAAAAAAAAAAAAAAAAAZAAAAAEAAABAAAAAAAAAAAAAAAAAAAAAAAAAAAAAAAAAAAAAAAAAAAAAAAAAAAAAAAAAAAAAAAAAAAAAAAAAAAAAAAAAAAAAAAAAAAAAAAAAAAAAAAAAAAAAAAAAAAAAFAAAADwAAAAAAAAAAAAAAAAAAAkAAAAAAQAAAAAAAAAAAAAAAAAAAAAAAAAAAAAAZAAAAGQAAAAAAAAAZAAAAGQAAAAVAAAAYAAAAAAAAAAAAAAADwAAACADAAAAAAAAAAAAAAEAAACgMgAAAAAAAAAAAAABAAAAf39/AAEAAABkAAAAAAAAABQAAABAHwAAAAAAACYAAAAAAAAAwOD//wAAAAAmAAAAZAAAABYAAABMAAAAAAAAAAAAAAAEAAAAAAAAAAEAAACAgIAKAAAAACgAAAAoAAAAZAAAAGQAAAAAAAAAzMzMAAAAAABQAAAAUAAAAGQAAABkAAAAAAAAABcAAAAUAAAAAAAAAAAAAAD/fwAA/38AAAAAAAAJAAAABAAAAAAAAAAMAAAAEAAAAAAAAAAAAAAAAAAAAAAAAAAeAAAAaAAAAAAAAAAAAAAAAAAAAAAAAAAAAAAAECcAABAnAAAAAAAAAAAAAAAAAAAAAAAAAAAAAAAAAAAAAAAAAAAAABQAAAAAAAAAwMD/AAAAAABkAAAAMgAAAAAAAABkAAAAAAAAAH9/fwAKAAAAHwAAAFQAAAA2Cp4A////AQAAAAAAAAAAAAAAAAAAAAAAAAAAAAAAAAAAAAAAAAAAAAAAAn9/fwCAgIADzMzMAMDA/wB/f38AAAAAAAAAAAAAAAAAAAAAAAAAAAAhAAAAGAAAABQAAADnIQAAmBQAABwkAADIFQAAEAAAACYAAAAIAAAA//////////8="/>
               </a:ext>
             </a:extLst>
           </p:cNvSpPr>
@@ -12819,7 +12819,7 @@
           <p:cNvSpPr txBox="1">
             <a:extLst>
               <a:ext uri="smNativeData">
-                <pr:smNativeData xmlns:pr="smNativeData" val="SMDATA_13_IrKAXRMAAAAlAAAAEgAAAE8BAAAAkAAAAEgAAACQAAAASAAAAAAAAAAAAAAAAAAAAAEAAABQAAAAAAAAAAAA4D8AAAAAAADgPwAAAAAAAOA/AAAAAAAA4D8AAAAAAADgPwAAAAAAAOA/AAAAAAAA4D8AAAAAAADgPwAAAAAAAOA/AAAAAAAA4D8CAAAAjAAAAAAAAAAAAAAAu+DjDP///wgAAAAAAAAAAAAAAAAAAAAAAAAAAAAAAAAAAAAAZAAAAAEAAABAAAAAAAAAAAAAAAAAAAAAAAAAAAAAAAAAAAAAAAAAAAAAAAAAAAAAAAAAAAAAAAAAAAAAAAAAAAAAAAAAAAAAAAAAAAAAAAAAAAAAAAAAAAAAAAAAAAAAFAAAADwAAAAAAAAAAAAAAAAAAAkUAAAAAQAAABQAAAAUAAAAFAAAAAEAAAAAAAAAZAAAAGQAAAAAAAAAZAAAAGQAAAAVAAAAYAAAAAAAAAAAAAAADwAAACADAAAAAAAAAAAAAAEAAACgMgAAVgcAAKr4//8BAAAAf39/AAEAAABkAAAAAAAAABQAAABAHwAAAAAAACYAAAAAAAAAwOD//wAAAAAmAAAAZAAAABYAAABMAAAAAAAAAAAAAAAEAAAAAAAAAAEAAACAgIAKAAAAACgAAAAoAAAAZAAAAGQAAAAAAAAAzMzMAAAAAABQAAAAUAAAAGQAAABkAAAAAAAAABcAAAAUAAAAAAAAANwIAAD/fwAA/38AAAAAAAAJAAAABAAAAAAAAAAMAAAAEAAAAAAAAAAAAAAAAAAAAAAAAAAeAAAAaAAAAAAAAAAAAAAAAAAAAAAAAAAAAAAAECcAABAnAAAAAAAAAAAAAAAAAAAAAAAAAAAAAAAAAAAAAAAAAAAAABQAAAAAAAAAwMD/AAAAAABkAAAAMgAAAAAAAABkAAAAAAAAAH9/fwAKAAAAHwAAAFQAAAC74OMF////AQAAAAAAAAAAAAAAAAAAAAAAAAAAAAAAAAAAAAAAAAAAAAAAAn9/fwCAgIADzMzMAMDA/wB/f38AAAAAAAAAAAAAAAAAAAAAAAAAAAAhAAAAGAAAABQAAAAHJAAADRQAAOMsAABNFgAAECAAACYAAAAIAAAA//////////8="/>
+                <pr:smNativeData xmlns:pr="smNativeData" val="SMDATA_13_gcGAXRMAAAAlAAAAEgAAAE8BAAAAkAAAAEgAAACQAAAASAAAAAAAAAAAAAAAAAAAAAEAAABQAAAAAAAAAAAA4D8AAAAAAADgPwAAAAAAAOA/AAAAAAAA4D8AAAAAAADgPwAAAAAAAOA/AAAAAAAA4D8AAAAAAADgPwAAAAAAAOA/AAAAAAAA4D8CAAAAjAAAAAAAAAAAAAAAu+DjDP///wgAAAAAAAAAAAAAAAAAAAAAAAAAAAAAAAAAAAAAZAAAAAEAAABAAAAAAAAAAAAAAAAAAAAAAAAAAAAAAAAAAAAAAAAAAAAAAAAAAAAAAAAAAAAAAAAAAAAAAAAAAAAAAAAAAAAAAAAAAAAAAAAAAAAAAAAAAAAAAAAAAAAAFAAAADwAAAAAAAAAAAAAAAAAAAkUAAAAAQAAABQAAAAUAAAAFAAAAAEAAAAAAAAAZAAAAGQAAAAAAAAAZAAAAGQAAAAVAAAAYAAAAAAAAAAAAAAADwAAACADAAAAAAAAAAAAAAEAAACgMgAAVgcAAKr4//8BAAAAf39/AAEAAABkAAAAAAAAABQAAABAHwAAAAAAACYAAAAAAAAAwOD//wAAAAAmAAAAZAAAABYAAABMAAAAAAAAAAAAAAAEAAAAAAAAAAEAAACAgIAKAAAAACgAAAAoAAAAZAAAAGQAAAAAAAAAzMzMAAAAAABQAAAAUAAAAGQAAABkAAAAAAAAABcAAAAUAAAAAAAAANwIAAD/fwAA/38AAAAAAAAJAAAABAAAAAAAAAAMAAAAEAAAAAAAAAAAAAAAAAAAAAAAAAAeAAAAaAAAAAAAAAAAAAAAAAAAAAAAAAAAAAAAECcAABAnAAAAAAAAAAAAAAAAAAAAAAAAAAAAAAAAAAAAAAAAAAAAABQAAAAAAAAAwMD/AAAAAABkAAAAMgAAAAAAAABkAAAAAAAAAH9/fwAKAAAAHwAAAFQAAAC74OMF////AQAAAAAAAAAAAAAAAAAAAAAAAAAAAAAAAAAAAAAAAAAAAAAAAn9/fwCAgIADzMzMAMDA/wB/f38AAAAAAAAAAAAAAAAAAAAAAAAAAAAhAAAAGAAAABQAAAAHJAAADRQAAOMsAABNFgAAECAAACYAAAAIAAAA//////////8="/>
               </a:ext>
             </a:extLst>
           </p:cNvSpPr>
@@ -12865,7 +12865,7 @@
           <p:cNvSpPr>
             <a:extLst>
               <a:ext uri="smNativeData">
-                <pr:smNativeData xmlns:pr="smNativeData" val="SMDATA_13_IrKAXRMAAAAlAAAAZAAAAA8BAAAAkAAAAEgAAACQAAAASAAAAAAAAAAAAAAAAAAAAAEAAABQAAAAAAAAAAAA4D8AAAAAAADgPwAAAAAAAOA/AAAAAAAA4D8AAAAAAADgPwAAAAAAAOA/AAAAAAAA4D8AAAAAAADgPwAAAAAAAOA/AAAAAAAA4D8CAAAAjAAAAAEAAAAAAAAAhlHdAP///wgAAAAAAAAAAAAAAAAAAAAAAAAAAAAAAAAAAAAAZAAAAAEAAABAAAAAAAAAAAAAAAAAAAAAAAAAAAAAAAAAAAAAAAAAAAAAAAAAAAAAAAAAAAAAAAAAAAAAAAAAAAAAAAAAAAAAAAAAAAAAAAAAAAAAAAAAAAAAAAAAAAAAFAAAADwAAAABAAAAAAAAADYKngAoAAAAAQAAAAIAAAAAAAAAAAAAAAAAAAAAAAAAZAAAAGQAAAAAAAAAZAAAAGQAAAAVAAAAYAAAAAAAAAAAAAAADwAAACADAAAAAAAAAAAAAAEAAACgMgAAAAAAAAAAAAABAAAAf39/AAEAAABkAAAAAAAAABQAAABAHwAAAAAAACYAAAAAAAAAwOD//wAAAAAmAAAAZAAAABYAAABMAAAAAAAAAAAAAAAEAAAAAAAAAAEAAACAgIAKAAAAACgAAAAoAAAAZAAAAGQAAAAAAAAAzMzMAAAAAABQAAAAUAAAAGQAAABkAAAAAAAAABcAAAAUAAAAAAAAAAAAAAD/fwAA/38AAAAAAAAJAAAABAAAAAAAAAAMAAAAEAAAAAAAAAAAAAAAAAAAAAAAAAAeAAAAaAAAAAAAAAAAAAAAAAAAAAAAAAAAAAAAECcAABAnAAAAAAAAAAAAAAAAAAAAAAAAAAAAAAAAAAAAAAAAAAAAABQAAAAAAAAAwMD/AAAAAABkAAAAMgAAAAAAAABkAAAAAAAAAH9/fwAKAAAAHwAAAFQAAACGUd0A////AQAAAAAAAAAAAAAAAAAAAAAAAAAAAAAAAAAAAAAAAAAANgqeAH9/fwCAgIADzMzMAMDA/wB/f38AAAAAAAAAAAAAAAAAAAAAAAAAAAAhAAAAGAAAABQAAAC3IAAA6BgAAHsiAACmGgAAEAAAACYAAAAIAAAA//////////8="/>
+                <pr:smNativeData xmlns:pr="smNativeData" val="SMDATA_13_gcGAXRMAAAAlAAAAZAAAAA8BAAAAkAAAAEgAAACQAAAASAAAAAAAAAAAAAAAAAAAAAEAAABQAAAAAAAAAAAA4D8AAAAAAADgPwAAAAAAAOA/AAAAAAAA4D8AAAAAAADgPwAAAAAAAOA/AAAAAAAA4D8AAAAAAADgPwAAAAAAAOA/AAAAAAAA4D8CAAAAjAAAAAEAAAAAAAAAhlHdAP///wgAAAAAAAAAAAAAAAAAAAAAAAAAAAAAAAAAAAAAZAAAAAEAAABAAAAAAAAAAAAAAAAAAAAAAAAAAAAAAAAAAAAAAAAAAAAAAAAAAAAAAAAAAAAAAAAAAAAAAAAAAAAAAAAAAAAAAAAAAAAAAAAAAAAAAAAAAAAAAAAAAAAAFAAAADwAAAABAAAAAAAAADYKngAoAAAAAQAAAAIAAAAAAAAAAAAAAAAAAAAAAAAAZAAAAGQAAAAAAAAAZAAAAGQAAAAVAAAAYAAAAAAAAAAAAAAADwAAACADAAAAAAAAAAAAAAEAAACgMgAAAAAAAAAAAAABAAAAf39/AAEAAABkAAAAAAAAABQAAABAHwAAAAAAACYAAAAAAAAAwOD//wAAAAAmAAAAZAAAABYAAABMAAAAAAAAAAAAAAAEAAAAAAAAAAEAAACAgIAKAAAAACgAAAAoAAAAZAAAAGQAAAAAAAAAzMzMAAAAAABQAAAAUAAAAGQAAABkAAAAAAAAABcAAAAUAAAAAAAAAAAAAAD/fwAA/38AAAAAAAAJAAAABAAAAAAAAAAMAAAAEAAAAAAAAAAAAAAAAAAAAAAAAAAeAAAAaAAAAAAAAAAAAAAAAAAAAAAAAAAAAAAAECcAABAnAAAAAAAAAAAAAAAAAAAAAAAAAAAAAAAAAAAAAAAAAAAAABQAAAAAAAAAwMD/AAAAAABkAAAAMgAAAAAAAABkAAAAAAAAAH9/fwAKAAAAHwAAAFQAAACGUd0A////AQAAAAAAAAAAAAAAAAAAAAAAAAAAAAAAAAAAAAAAAAAANgqeAH9/fwCAgIADzMzMAMDA/wB/f38AAAAAAAAAAAAAAAAAAAAAAAAAAAAhAAAAGAAAABQAAAC3IAAA6BgAAHsiAACmGgAAEAAAACYAAAAIAAAA//////////8="/>
               </a:ext>
             </a:extLst>
           </p:cNvSpPr>
@@ -12899,7 +12899,7 @@
           <p:cNvSpPr>
             <a:extLst>
               <a:ext uri="smNativeData">
-                <pr:smNativeData xmlns:pr="smNativeData" val="SMDATA_13_IrKAXRMAAAAlAAAAyAAAAA8BAAAAkAAAAEgAAACQAAAASAAAAAAAAAAAAAAAAAAAAAEAAABQAAAAAIIphXg83z8IPYQeQg/RPwAAAAAAAOA/AAAAAAAA4D8AAAAAAADgPwAAAAAAAOA/AAAAAAAA4D8AAAAAAADgPwAAAAAAAOA/AAAAAAAA4D8CAAAAjAAAAAEAAAAAAAAANgqeAP///wgAAAAAAAAAAAAAAAAAAAAAAAAAAAAAAAAAAAAAZAAAAAEAAABAAAAAAAAAAAAAAAAAAAAAAAAAAAAAAAAAAAAAAAAAAAAAAAAAAAAAAAAAAAAAAAAAAAAAAAAAAAAAAAAAAAAAAAAAAAAAAAAAAAAAAAAAAAAAAAAAAAAAFAAAADwAAAAAAAAAAAAAAAAAAAkAAAAAAQAAAAAAAAAAAAAAAAAAAAAAAAAAAAAAZAAAAGQAAAAAAAAAZAAAAGQAAAAVAAAAYAAAAAAAAAAAAAAADwAAACADAAAAAAAAAAAAAAEAAACgMgAAAAAAAAAAAAABAAAAf39/AAEAAABkAAAAAAAAABQAAABAHwAAAAAAACYAAAAAAAAAwOD//wAAAAAmAAAAZAAAABYAAABMAAAAAAAAAAAAAAAEAAAAAAAAAAEAAACAgIAKAAAAACgAAAAoAAAAZAAAAGQAAAAAAAAAzMzMAAAAAABQAAAAUAAAAGQAAABkAAAAAAAAABcAAAAUAAAAAAAAAAAAAAD/fwAA/38AAAAAAAAJAAAABAAAAAAAAAAMAAAAEAAAAAAAAAAAAAAAAAAAAAAAAAAeAAAAaAAAAAAAAAAAAAAAAAAAAAAAAAAAAAAAECcAABAnAAAAAAAAAAAAAAAAAAAAAAAAAAAAAAAAAAAAAAAAAAAAABQAAAAAAAAAwMD/AAAAAABkAAAAMgAAAAAAAABkAAAAAAAAAH9/fwAKAAAAHwAAAFQAAAA2Cp4A////AQAAAAAAAAAAAAAAAAAAAAAAAAAAAAAAAAAAAAAAAAAAAAAAAn9/fwCAgIADzMzMAMDA/wB/f38AAAAAAAAAAAAAAAAAAAAAAAAAAAAhAAAAGAAAABQAAADlIQAARhkAABokAAB2GgAAEAAAACYAAAAIAAAA//////////8="/>
+                <pr:smNativeData xmlns:pr="smNativeData" val="SMDATA_13_gcGAXRMAAAAlAAAAyAAAAA8BAAAAkAAAAEgAAACQAAAASAAAAAAAAAAAAAAAAAAAAAEAAABQAAAAAIIphXg83z8IPYQeQg/RPwAAAAAAAOA/AAAAAAAA4D8AAAAAAADgPwAAAAAAAOA/AAAAAAAA4D8AAAAAAADgPwAAAAAAAOA/AAAAAAAA4D8CAAAAjAAAAAEAAAAAAAAANgqeAP///wgAAAAAAAAAAAAAAAAAAAAAAAAAAAAAAAAAAAAAZAAAAAEAAABAAAAAAAAAAAAAAAAAAAAAAAAAAAAAAAAAAAAAAAAAAAAAAAAAAAAAAAAAAAAAAAAAAAAAAAAAAAAAAAAAAAAAAAAAAAAAAAAAAAAAAAAAAAAAAAAAAAAAFAAAADwAAAAAAAAAAAAAAAAAAAkAAAAAAQAAAAAAAAAAAAAAAAAAAAAAAAAAAAAAZAAAAGQAAAAAAAAAZAAAAGQAAAAVAAAAYAAAAAAAAAAAAAAADwAAACADAAAAAAAAAAAAAAEAAACgMgAAAAAAAAAAAAABAAAAf39/AAEAAABkAAAAAAAAABQAAABAHwAAAAAAACYAAAAAAAAAwOD//wAAAAAmAAAAZAAAABYAAABMAAAAAAAAAAAAAAAEAAAAAAAAAAEAAACAgIAKAAAAACgAAAAoAAAAZAAAAGQAAAAAAAAAzMzMAAAAAABQAAAAUAAAAGQAAABkAAAAAAAAABcAAAAUAAAAAAAAAAAAAAD/fwAA/38AAAAAAAAJAAAABAAAAAAAAAAMAAAAEAAAAAAAAAAAAAAAAAAAAAAAAAAeAAAAaAAAAAAAAAAAAAAAAAAAAAAAAAAAAAAAECcAABAnAAAAAAAAAAAAAAAAAAAAAAAAAAAAAAAAAAAAAAAAAAAAABQAAAAAAAAAwMD/AAAAAABkAAAAMgAAAAAAAABkAAAAAAAAAH9/fwAKAAAAHwAAAFQAAAA2Cp4A////AQAAAAAAAAAAAAAAAAAAAAAAAAAAAAAAAAAAAAAAAAAAAAAAAn9/fwCAgIADzMzMAMDA/wB/f38AAAAAAAAAAAAAAAAAAAAAAAAAAAAhAAAAGAAAABQAAADlIQAARhkAABokAAB2GgAAEAAAACYAAAAIAAAA//////////8="/>
               </a:ext>
             </a:extLst>
           </p:cNvSpPr>
@@ -12931,7 +12931,7 @@
           <p:cNvSpPr txBox="1">
             <a:extLst>
               <a:ext uri="smNativeData">
-                <pr:smNativeData xmlns:pr="smNativeData" val="SMDATA_13_IrKAXRMAAAAlAAAAEgAAAE8BAAAAkAAAAEgAAACQAAAASAAAAAAAAAAAAAAAAAAAAAEAAABQAAAAAAAAAAAA4D8AAAAAAADgPwAAAAAAAOA/AAAAAAAA4D8AAAAAAADgPwAAAAAAAOA/AAAAAAAA4D8AAAAAAADgPwAAAAAAAOA/AAAAAAAA4D8CAAAAjAAAAAAAAAAAAAAAu+DjDP///wgAAAAAAAAAAAAAAAAAAAAAAAAAAAAAAAAAAAAAZAAAAAEAAABAAAAAAAAAAAAAAAAAAAAAAAAAAAAAAAAAAAAAAAAAAAAAAAAAAAAAAAAAAAAAAAAAAAAAAAAAAAAAAAAAAAAAAAAAAAAAAAAAAAAAAAAAAAAAAAAAAAAAFAAAADwAAAAAAAAAAAAAAAAAAAkUAAAAAQAAABQAAAAUAAAAFAAAAAEAAAAAAAAAZAAAAGQAAAAAAAAAZAAAAGQAAAAVAAAAYAAAAAAAAAAAAAAADwAAACADAAAAAAAAAAAAAAEAAACgMgAAVgcAAKr4//8BAAAAf39/AAEAAABkAAAAAAAAABQAAABAHwAAAAAAACYAAAAAAAAAwOD//wAAAAAmAAAAZAAAABYAAABMAAAAAAAAAAAAAAAEAAAAAAAAAAEAAACAgIAKAAAAACgAAAAoAAAAZAAAAGQAAAAAAAAAzMzMAAAAAABQAAAAUAAAAGQAAABkAAAAAAAAABcAAAAUAAAAAAAAANwIAAD/fwAA/38AAAAAAAAJAAAABAAAAAAAAAAMAAAAEAAAAAAAAAAAAAAAAAAAAAAAAAAeAAAAaAAAAAAAAAAAAAAAAAAAAAAAAAAAAAAAECcAABAnAAAAAAAAAAAAAAAAAAAAAAAAAAAAAAAAAAAAAAAAAAAAABQAAAAAAAAAwMD/AAAAAABkAAAAMgAAAAAAAABkAAAAAAAAAH9/fwAKAAAAHwAAAFQAAAC74OMF////AQAAAAAAAAAAAAAAAAAAAAAAAAAAAAAAAAAAAAAAAAAAAAAAAn9/fwCAgIADzMzMAMDA/wB/f38AAAAAAAAAAAAAAAAAAAAAAAAAAAAhAAAAGAAAABQAAAAFJAAAuxgAAOEsAAD7GgAAECAAACYAAAAIAAAA//////////8="/>
+                <pr:smNativeData xmlns:pr="smNativeData" val="SMDATA_13_gcGAXRMAAAAlAAAAEgAAAE8BAAAAkAAAAEgAAACQAAAASAAAAAAAAAAAAAAAAAAAAAEAAABQAAAAAAAAAAAA4D8AAAAAAADgPwAAAAAAAOA/AAAAAAAA4D8AAAAAAADgPwAAAAAAAOA/AAAAAAAA4D8AAAAAAADgPwAAAAAAAOA/AAAAAAAA4D8CAAAAjAAAAAAAAAAAAAAAu+DjDP///wgAAAAAAAAAAAAAAAAAAAAAAAAAAAAAAAAAAAAAZAAAAAEAAABAAAAAAAAAAAAAAAAAAAAAAAAAAAAAAAAAAAAAAAAAAAAAAAAAAAAAAAAAAAAAAAAAAAAAAAAAAAAAAAAAAAAAAAAAAAAAAAAAAAAAAAAAAAAAAAAAAAAAFAAAADwAAAAAAAAAAAAAAAAAAAkUAAAAAQAAABQAAAAUAAAAFAAAAAEAAAAAAAAAZAAAAGQAAAAAAAAAZAAAAGQAAAAVAAAAYAAAAAAAAAAAAAAADwAAACADAAAAAAAAAAAAAAEAAACgMgAAVgcAAKr4//8BAAAAf39/AAEAAABkAAAAAAAAABQAAABAHwAAAAAAACYAAAAAAAAAwOD//wAAAAAmAAAAZAAAABYAAABMAAAAAAAAAAAAAAAEAAAAAAAAAAEAAACAgIAKAAAAACgAAAAoAAAAZAAAAGQAAAAAAAAAzMzMAAAAAABQAAAAUAAAAGQAAABkAAAAAAAAABcAAAAUAAAAAAAAANwIAAD/fwAA/38AAAAAAAAJAAAABAAAAAAAAAAMAAAAEAAAAAAAAAAAAAAAAAAAAAAAAAAeAAAAaAAAAAAAAAAAAAAAAAAAAAAAAAAAAAAAECcAABAnAAAAAAAAAAAAAAAAAAAAAAAAAAAAAAAAAAAAAAAAAAAAABQAAAAAAAAAwMD/AAAAAABkAAAAMgAAAAAAAABkAAAAAAAAAH9/fwAKAAAAHwAAAFQAAAC74OMF////AQAAAAAAAAAAAAAAAAAAAAAAAAAAAAAAAAAAAAAAAAAAAAAAAn9/fwCAgIADzMzMAMDA/wB/f38AAAAAAAAAAAAAAAAAAAAAAAAAAAAhAAAAGAAAABQAAAAFJAAAuxgAAOEsAAD7GgAAECAAACYAAAAIAAAA//////////8="/>
               </a:ext>
             </a:extLst>
           </p:cNvSpPr>
@@ -12977,7 +12977,7 @@
           <p:cNvSpPr>
             <a:extLst>
               <a:ext uri="smNativeData">
-                <pr:smNativeData xmlns:pr="smNativeData" val="SMDATA_13_IrKAXRMAAAAlAAAAZAAAAA8BAAAAkAAAAEgAAACQAAAASAAAAAAAAAAAAAAAAAAAAAEAAABQAAAAAAAAAAAA4D8AAAAAAADgPwAAAAAAAOA/AAAAAAAA4D8AAAAAAADgPwAAAAAAAOA/AAAAAAAA4D8AAAAAAADgPwAAAAAAAOA/AAAAAAAA4D8CAAAAjAAAAAEAAAAAAAAAhlHdAP///wgAAAAAAAAAAAAAAAAAAAAAAAAAAAAAAAAAAAAAZAAAAAEAAABAAAAAAAAAAAAAAAAAAAAAAAAAAAAAAAAAAAAAAAAAAAAAAAAAAAAAAAAAAAAAAAAAAAAAAAAAAAAAAAAAAAAAAAAAAAAAAAAAAAAAAAAAAAAAAAAAAAAAFAAAADwAAAABAAAAAAAAADYKngAoAAAAAQAAAAIAAAAAAAAAAAAAAAAAAAAAAAAAZAAAAGQAAAAAAAAAZAAAAGQAAAAVAAAAYAAAAAAAAAAAAAAADwAAACADAAAAAAAAAAAAAAEAAACgMgAAAAAAAAAAAAABAAAAf39/AAEAAABkAAAAAAAAABQAAABAHwAAAAAAACYAAAAAAAAAwOD//wAAAAAmAAAAZAAAABYAAABMAAAAAAAAAAAAAAAEAAAAAAAAAAEAAACAgIAKAAAAACgAAAAoAAAAZAAAAGQAAAAAAAAAzMzMAAAAAABQAAAAUAAAAGQAAABkAAAAAAAAABcAAAAUAAAAAAAAAAAAAAD/fwAA/38AAAAAAAAJAAAABAAAAAAAAAAMAAAAEAAAAAAAAAAAAAAAAAAAAAAAAAAeAAAAaAAAAAAAAAAAAAAAAAAAAAAAAAAAAAAAECcAABAnAAAAAAAAAAAAAAAAAAAAAAAAAAAAAAAAAAAAAAAAAAAAABQAAAAAAAAAwMD/AAAAAABkAAAAMgAAAAAAAABkAAAAAAAAAH9/fwAKAAAAHwAAAFQAAACGUd0A////AQAAAAAAAAAAAAAAAAAAAAAAAAAAAAAAAAAAAAAAAAAANgqeAH9/fwCAgIADzMzMAMDA/wB/f38AAAAAAAAAAAAAAAAAAAAAAAAAAAAhAAAAGAAAABQAAAC3IAAAQBsAAHsiAAD+HAAAEAAAACYAAAAIAAAA//////////8="/>
+                <pr:smNativeData xmlns:pr="smNativeData" val="SMDATA_13_gcGAXRMAAAAlAAAAZAAAAA8BAAAAkAAAAEgAAACQAAAASAAAAAAAAAAAAAAAAAAAAAEAAABQAAAAAAAAAAAA4D8AAAAAAADgPwAAAAAAAOA/AAAAAAAA4D8AAAAAAADgPwAAAAAAAOA/AAAAAAAA4D8AAAAAAADgPwAAAAAAAOA/AAAAAAAA4D8CAAAAjAAAAAEAAAAAAAAAhlHdAP///wgAAAAAAAAAAAAAAAAAAAAAAAAAAAAAAAAAAAAAZAAAAAEAAABAAAAAAAAAAAAAAAAAAAAAAAAAAAAAAAAAAAAAAAAAAAAAAAAAAAAAAAAAAAAAAAAAAAAAAAAAAAAAAAAAAAAAAAAAAAAAAAAAAAAAAAAAAAAAAAAAAAAAFAAAADwAAAABAAAAAAAAADYKngAoAAAAAQAAAAIAAAAAAAAAAAAAAAAAAAAAAAAAZAAAAGQAAAAAAAAAZAAAAGQAAAAVAAAAYAAAAAAAAAAAAAAADwAAACADAAAAAAAAAAAAAAEAAACgMgAAAAAAAAAAAAABAAAAf39/AAEAAABkAAAAAAAAABQAAABAHwAAAAAAACYAAAAAAAAAwOD//wAAAAAmAAAAZAAAABYAAABMAAAAAAAAAAAAAAAEAAAAAAAAAAEAAACAgIAKAAAAACgAAAAoAAAAZAAAAGQAAAAAAAAAzMzMAAAAAABQAAAAUAAAAGQAAABkAAAAAAAAABcAAAAUAAAAAAAAAAAAAAD/fwAA/38AAAAAAAAJAAAABAAAAAAAAAAMAAAAEAAAAAAAAAAAAAAAAAAAAAAAAAAeAAAAaAAAAAAAAAAAAAAAAAAAAAAAAAAAAAAAECcAABAnAAAAAAAAAAAAAAAAAAAAAAAAAAAAAAAAAAAAAAAAAAAAABQAAAAAAAAAwMD/AAAAAABkAAAAMgAAAAAAAABkAAAAAAAAAH9/fwAKAAAAHwAAAFQAAACGUd0A////AQAAAAAAAAAAAAAAAAAAAAAAAAAAAAAAAAAAAAAAAAAANgqeAH9/fwCAgIADzMzMAMDA/wB/f38AAAAAAAAAAAAAAAAAAAAAAAAAAAAhAAAAGAAAABQAAAC3IAAAQBsAAHsiAAD+HAAAEAAAACYAAAAIAAAA//////////8="/>
               </a:ext>
             </a:extLst>
           </p:cNvSpPr>
@@ -13011,7 +13011,7 @@
           <p:cNvSpPr>
             <a:extLst>
               <a:ext uri="smNativeData">
-                <pr:smNativeData xmlns:pr="smNativeData" val="SMDATA_13_IrKAXRMAAAAlAAAAyAAAAA8BAAAAkAAAAEgAAACQAAAASAAAAAAAAAAAAAAAAAAAAAEAAABQAAAAAIIphXg83z8IPYQeQg/RPwAAAAAAAOA/AAAAAAAA4D8AAAAAAADgPwAAAAAAAOA/AAAAAAAA4D8AAAAAAADgPwAAAAAAAOA/AAAAAAAA4D8CAAAAjAAAAAEAAAAAAAAANgqeAP///wgAAAAAAAAAAAAAAAAAAAAAAAAAAAAAAAAAAAAAZAAAAAEAAABAAAAAAAAAAAAAAAAAAAAAAAAAAAAAAAAAAAAAAAAAAAAAAAAAAAAAAAAAAAAAAAAAAAAAAAAAAAAAAAAAAAAAAAAAAAAAAAAAAAAAAAAAAAAAAAAAAAAAFAAAADwAAAAAAAAAAAAAAAAAAAkAAAAAAQAAAAAAAAAAAAAAAAAAAAAAAAAAAAAAZAAAAGQAAAAAAAAAZAAAAGQAAAAVAAAAYAAAAAAAAAAAAAAADwAAACADAAAAAAAAAAAAAAEAAACgMgAAAAAAAAAAAAABAAAAf39/AAEAAABkAAAAAAAAABQAAABAHwAAAAAAACYAAAAAAAAAwOD//wAAAAAmAAAAZAAAABYAAABMAAAAAAAAAAAAAAAEAAAAAAAAAAEAAACAgIAKAAAAACgAAAAoAAAAZAAAAGQAAAAAAAAAzMzMAAAAAABQAAAAUAAAAGQAAABkAAAAAAAAABcAAAAUAAAAAAAAAAAAAAD/fwAA/38AAAAAAAAJAAAABAAAAAAAAAAMAAAAEAAAAAAAAAAAAAAAAAAAAAAAAAAeAAAAaAAAAAAAAAAAAAAAAAAAAAAAAAAAAAAAECcAABAnAAAAAAAAAAAAAAAAAAAAAAAAAAAAAAAAAAAAAAAAAAAAABQAAAAAAAAAwMD/AAAAAABkAAAAMgAAAAAAAABkAAAAAAAAAH9/fwAKAAAAHwAAAFQAAAA2Cp4A////AQAAAAAAAAAAAAAAAAAAAAAAAAAAAAAAAAAAAAAAAAAAAAAAAn9/fwCAgIADzMzMAMDA/wB/f38AAAAAAAAAAAAAAAAAAAAAAAAAAAAhAAAAGAAAABQAAADlIQAAnhsAABokAADOHAAAEAAAACYAAAAIAAAA//////////8="/>
+                <pr:smNativeData xmlns:pr="smNativeData" val="SMDATA_13_gcGAXRMAAAAlAAAAyAAAAA8BAAAAkAAAAEgAAACQAAAASAAAAAAAAAAAAAAAAAAAAAEAAABQAAAAAIIphXg83z8IPYQeQg/RPwAAAAAAAOA/AAAAAAAA4D8AAAAAAADgPwAAAAAAAOA/AAAAAAAA4D8AAAAAAADgPwAAAAAAAOA/AAAAAAAA4D8CAAAAjAAAAAEAAAAAAAAANgqeAP///wgAAAAAAAAAAAAAAAAAAAAAAAAAAAAAAAAAAAAAZAAAAAEAAABAAAAAAAAAAAAAAAAAAAAAAAAAAAAAAAAAAAAAAAAAAAAAAAAAAAAAAAAAAAAAAAAAAAAAAAAAAAAAAAAAAAAAAAAAAAAAAAAAAAAAAAAAAAAAAAAAAAAAFAAAADwAAAAAAAAAAAAAAAAAAAkAAAAAAQAAAAAAAAAAAAAAAAAAAAAAAAAAAAAAZAAAAGQAAAAAAAAAZAAAAGQAAAAVAAAAYAAAAAAAAAAAAAAADwAAACADAAAAAAAAAAAAAAEAAACgMgAAAAAAAAAAAAABAAAAf39/AAEAAABkAAAAAAAAABQAAABAHwAAAAAAACYAAAAAAAAAwOD//wAAAAAmAAAAZAAAABYAAABMAAAAAAAAAAAAAAAEAAAAAAAAAAEAAACAgIAKAAAAACgAAAAoAAAAZAAAAGQAAAAAAAAAzMzMAAAAAABQAAAAUAAAAGQAAABkAAAAAAAAABcAAAAUAAAAAAAAAAAAAAD/fwAA/38AAAAAAAAJAAAABAAAAAAAAAAMAAAAEAAAAAAAAAAAAAAAAAAAAAAAAAAeAAAAaAAAAAAAAAAAAAAAAAAAAAAAAAAAAAAAECcAABAnAAAAAAAAAAAAAAAAAAAAAAAAAAAAAAAAAAAAAAAAAAAAABQAAAAAAAAAwMD/AAAAAABkAAAAMgAAAAAAAABkAAAAAAAAAH9/fwAKAAAAHwAAAFQAAAA2Cp4A////AQAAAAAAAAAAAAAAAAAAAAAAAAAAAAAAAAAAAAAAAAAAAAAAAn9/fwCAgIADzMzMAMDA/wB/f38AAAAAAAAAAAAAAAAAAAAAAAAAAAAhAAAAGAAAABQAAADlIQAAnhsAABokAADOHAAAEAAAACYAAAAIAAAA//////////8="/>
               </a:ext>
             </a:extLst>
           </p:cNvSpPr>
@@ -13043,7 +13043,7 @@
           <p:cNvSpPr txBox="1">
             <a:extLst>
               <a:ext uri="smNativeData">
-                <pr:smNativeData xmlns:pr="smNativeData" val="SMDATA_13_IrKAXRMAAAAlAAAAEgAAAE8BAAAAkAAAAEgAAACQAAAASAAAAAAAAAAAAAAAAAAAAAEAAABQAAAAAAAAAAAA4D8AAAAAAADgPwAAAAAAAOA/AAAAAAAA4D8AAAAAAADgPwAAAAAAAOA/AAAAAAAA4D8AAAAAAADgPwAAAAAAAOA/AAAAAAAA4D8CAAAAjAAAAAAAAAAAAAAAu+DjDP///wgAAAAAAAAAAAAAAAAAAAAAAAAAAAAAAAAAAAAAZAAAAAEAAABAAAAAAAAAAAAAAAAAAAAAAAAAAAAAAAAAAAAAAAAAAAAAAAAAAAAAAAAAAAAAAAAAAAAAAAAAAAAAAAAAAAAAAAAAAAAAAAAAAAAAAAAAAAAAAAAAAAAAFAAAADwAAAAAAAAAAAAAAAAAAAkUAAAAAQAAABQAAAAUAAAAFAAAAAEAAAAAAAAAZAAAAGQAAAAAAAAAZAAAAGQAAAAVAAAAYAAAAAAAAAAAAAAADwAAACADAAAAAAAAAAAAAAEAAACgMgAAVgcAAKr4//8BAAAAf39/AAEAAABkAAAAAAAAABQAAABAHwAAAAAAACYAAAAAAAAAwOD//wAAAAAmAAAAZAAAABYAAABMAAAAAAAAAAAAAAAEAAAAAAAAAAEAAACAgIAKAAAAACgAAAAoAAAAZAAAAGQAAAAAAAAAzMzMAAAAAABQAAAAUAAAAGQAAABkAAAAAAAAABcAAAAUAAAAAAAAANwIAAD/fwAA/38AAAAAAAAJAAAABAAAAAAAAAAMAAAAEAAAAAAAAAAAAAAAAAAAAAAAAAAeAAAAaAAAAAAAAAAAAAAAAAAAAAAAAAAAAAAAECcAABAnAAAAAAAAAAAAAAAAAAAAAAAAAAAAAAAAAAAAAAAAAAAAABQAAAAAAAAAwMD/AAAAAABkAAAAMgAAAAAAAABkAAAAAAAAAH9/fwAKAAAAHwAAAFQAAAC74OMF////AQAAAAAAAAAAAAAAAAAAAAAAAAAAAAAAAAAAAAAAAAAAAAAAAn9/fwCAgIADzMzMAMDA/wB/f38AAAAAAAAAAAAAAAAAAAAAAAAAAAAhAAAAGAAAABQAAAAFJAAAExsAAOEsAABTHQAAECAAACYAAAAIAAAA//////////8="/>
+                <pr:smNativeData xmlns:pr="smNativeData" val="SMDATA_13_gcGAXRMAAAAlAAAAEgAAAE8BAAAAkAAAAEgAAACQAAAASAAAAAAAAAAAAAAAAAAAAAEAAABQAAAAAAAAAAAA4D8AAAAAAADgPwAAAAAAAOA/AAAAAAAA4D8AAAAAAADgPwAAAAAAAOA/AAAAAAAA4D8AAAAAAADgPwAAAAAAAOA/AAAAAAAA4D8CAAAAjAAAAAAAAAAAAAAAu+DjDP///wgAAAAAAAAAAAAAAAAAAAAAAAAAAAAAAAAAAAAAZAAAAAEAAABAAAAAAAAAAAAAAAAAAAAAAAAAAAAAAAAAAAAAAAAAAAAAAAAAAAAAAAAAAAAAAAAAAAAAAAAAAAAAAAAAAAAAAAAAAAAAAAAAAAAAAAAAAAAAAAAAAAAAFAAAADwAAAAAAAAAAAAAAAAAAAkUAAAAAQAAABQAAAAUAAAAFAAAAAEAAAAAAAAAZAAAAGQAAAAAAAAAZAAAAGQAAAAVAAAAYAAAAAAAAAAAAAAADwAAACADAAAAAAAAAAAAAAEAAACgMgAAVgcAAKr4//8BAAAAf39/AAEAAABkAAAAAAAAABQAAABAHwAAAAAAACYAAAAAAAAAwOD//wAAAAAmAAAAZAAAABYAAABMAAAAAAAAAAAAAAAEAAAAAAAAAAEAAACAgIAKAAAAACgAAAAoAAAAZAAAAGQAAAAAAAAAzMzMAAAAAABQAAAAUAAAAGQAAABkAAAAAAAAABcAAAAUAAAAAAAAANwIAAD/fwAA/38AAAAAAAAJAAAABAAAAAAAAAAMAAAAEAAAAAAAAAAAAAAAAAAAAAAAAAAeAAAAaAAAAAAAAAAAAAAAAAAAAAAAAAAAAAAAECcAABAnAAAAAAAAAAAAAAAAAAAAAAAAAAAAAAAAAAAAAAAAAAAAABQAAAAAAAAAwMD/AAAAAABkAAAAMgAAAAAAAABkAAAAAAAAAH9/fwAKAAAAHwAAAFQAAAC74OMF////AQAAAAAAAAAAAAAAAAAAAAAAAAAAAAAAAAAAAAAAAAAAAAAAAn9/fwCAgIADzMzMAMDA/wB/f38AAAAAAAAAAAAAAAAAAAAAAAAAAAAhAAAAGAAAABQAAAAFJAAAExsAAOEsAABTHQAAECAAACYAAAAIAAAA//////////8="/>
               </a:ext>
             </a:extLst>
           </p:cNvSpPr>
@@ -13089,7 +13089,7 @@
           <p:cNvSpPr>
             <a:extLst>
               <a:ext uri="smNativeData">
-                <pr:smNativeData xmlns:pr="smNativeData" val="SMDATA_13_IrKAXRMAAAAlAAAAZAAAAA8BAAAAkAAAAEgAAACQAAAASAAAAAAAAAAAAAAAAAAAAAEAAABQAAAAAAAAAAAA4D8AAAAAAADgPwAAAAAAAOA/AAAAAAAA4D8AAAAAAADgPwAAAAAAAOA/AAAAAAAA4D8AAAAAAADgPwAAAAAAAOA/AAAAAAAA4D8CAAAAjAAAAAEAAAAAAAAAhlHdAP///wgAAAAAAAAAAAAAAAAAAAAAAAAAAAAAAAAAAAAAZAAAAAEAAABAAAAAAAAAAAAAAAAAAAAAAAAAAAAAAAAAAAAAAAAAAAAAAAAAAAAAAAAAAAAAAAAAAAAAAAAAAAAAAAAAAAAAAAAAAAAAAAAAAAAAAAAAAAAAAAAAAAAAFAAAADwAAAABAAAAAAAAADYKngAoAAAAAQAAAAIAAAAAAAAAAAAAAAAAAAAAAAAAZAAAAGQAAAAAAAAAZAAAAGQAAAAVAAAAYAAAAAAAAAAAAAAADwAAACADAAAAAAAAAAAAAAEAAACgMgAAAAAAAAAAAAABAAAAf39/AAEAAABkAAAAAAAAABQAAABAHwAAAAAAACYAAAAAAAAAwOD//wAAAAAmAAAAZAAAABYAAABMAAAAAAAAAAAAAAAEAAAAAAAAAAEAAACAgIAKAAAAACgAAAAoAAAAZAAAAGQAAAAAAAAAzMzMAAAAAABQAAAAUAAAAGQAAABkAAAAAAAAABcAAAAUAAAAAAAAAAAAAAD/fwAA/38AAAAAAAAJAAAABAAAAAAAAAAMAAAAEAAAAAAAAAAAAAAAAAAAAAAAAAAeAAAAaAAAAAAAAAAAAAAAAAAAAAAAAAAAAAAAECcAABAnAAAAAAAAAAAAAAAAAAAAAAAAAAAAAAAAAAAAAAAAAAAAABQAAAAAAAAAwMD/AAAAAABkAAAAMgAAAAAAAABkAAAAAAAAAH9/fwAKAAAAHwAAAFQAAACGUd0A////AQAAAAAAAAAAAAAAAAAAAAAAAAAAAAAAAAAAAAAAAAAANgqeAH9/fwCAgIADzMzMAMDA/wB/f38AAAAAAAAAAAAAAAAAAAAAAAAAAAAhAAAAGAAAABQAAAC3IAAAkBYAAHsiAABOGAAAEAAAACYAAAAIAAAA//////////8="/>
+                <pr:smNativeData xmlns:pr="smNativeData" val="SMDATA_13_gcGAXRMAAAAlAAAAZAAAAA8BAAAAkAAAAEgAAACQAAAASAAAAAAAAAAAAAAAAAAAAAEAAABQAAAAAAAAAAAA4D8AAAAAAADgPwAAAAAAAOA/AAAAAAAA4D8AAAAAAADgPwAAAAAAAOA/AAAAAAAA4D8AAAAAAADgPwAAAAAAAOA/AAAAAAAA4D8CAAAAjAAAAAEAAAAAAAAAhlHdAP///wgAAAAAAAAAAAAAAAAAAAAAAAAAAAAAAAAAAAAAZAAAAAEAAABAAAAAAAAAAAAAAAAAAAAAAAAAAAAAAAAAAAAAAAAAAAAAAAAAAAAAAAAAAAAAAAAAAAAAAAAAAAAAAAAAAAAAAAAAAAAAAAAAAAAAAAAAAAAAAAAAAAAAFAAAADwAAAABAAAAAAAAADYKngAoAAAAAQAAAAIAAAAAAAAAAAAAAAAAAAAAAAAAZAAAAGQAAAAAAAAAZAAAAGQAAAAVAAAAYAAAAAAAAAAAAAAADwAAACADAAAAAAAAAAAAAAEAAACgMgAAAAAAAAAAAAABAAAAf39/AAEAAABkAAAAAAAAABQAAABAHwAAAAAAACYAAAAAAAAAwOD//wAAAAAmAAAAZAAAABYAAABMAAAAAAAAAAAAAAAEAAAAAAAAAAEAAACAgIAKAAAAACgAAAAoAAAAZAAAAGQAAAAAAAAAzMzMAAAAAABQAAAAUAAAAGQAAABkAAAAAAAAABcAAAAUAAAAAAAAAAAAAAD/fwAA/38AAAAAAAAJAAAABAAAAAAAAAAMAAAAEAAAAAAAAAAAAAAAAAAAAAAAAAAeAAAAaAAAAAAAAAAAAAAAAAAAAAAAAAAAAAAAECcAABAnAAAAAAAAAAAAAAAAAAAAAAAAAAAAAAAAAAAAAAAAAAAAABQAAAAAAAAAwMD/AAAAAABkAAAAMgAAAAAAAABkAAAAAAAAAH9/fwAKAAAAHwAAAFQAAACGUd0A////AQAAAAAAAAAAAAAAAAAAAAAAAAAAAAAAAAAAAAAAAAAANgqeAH9/fwCAgIADzMzMAMDA/wB/f38AAAAAAAAAAAAAAAAAAAAAAAAAAAAhAAAAGAAAABQAAAC3IAAAkBYAAHsiAABOGAAAEAAAACYAAAAIAAAA//////////8="/>
               </a:ext>
             </a:extLst>
           </p:cNvSpPr>
@@ -13123,7 +13123,7 @@
           <p:cNvSpPr>
             <a:extLst>
               <a:ext uri="smNativeData">
-                <pr:smNativeData xmlns:pr="smNativeData" val="SMDATA_13_IrKAXRMAAAAlAAAAyAAAAA8BAAAAkAAAAEgAAACQAAAASAAAAAAAAAAAAAAAAAAAAAEAAABQAAAAAIIphXg83z8IPYQeQg/RPwAAAAAAAOA/AAAAAAAA4D8AAAAAAADgPwAAAAAAAOA/AAAAAAAA4D8AAAAAAADgPwAAAAAAAOA/AAAAAAAA4D8CAAAAjAAAAAEAAAAAAAAANgqeAP///wgAAAAAAAAAAAAAAAAAAAAAAAAAAAAAAAAAAAAAZAAAAAEAAABAAAAAAAAAAAAAAAAAAAAAAAAAAAAAAAAAAAAAAAAAAAAAAAAAAAAAAAAAAAAAAAAAAAAAAAAAAAAAAAAAAAAAAAAAAAAAAAAAAAAAAAAAAAAAAAAAAAAAFAAAADwAAAAAAAAAAAAAAAAAAAkAAAAAAQAAAAAAAAAAAAAAAAAAAAAAAAAAAAAAZAAAAGQAAAAAAAAAZAAAAGQAAAAVAAAAYAAAAAAAAAAAAAAADwAAACADAAAAAAAAAAAAAAEAAACgMgAAAAAAAAAAAAABAAAAf39/AAEAAABkAAAAAAAAABQAAABAHwAAAAAAACYAAAAAAAAAwOD//wAAAAAmAAAAZAAAABYAAABMAAAAAAAAAAAAAAAEAAAAAAAAAAEAAACAgIAKAAAAACgAAAAoAAAAZAAAAGQAAAAAAAAAzMzMAAAAAABQAAAAUAAAAGQAAABkAAAAAAAAABcAAAAUAAAAAAAAAAAAAAD/fwAA/38AAAAAAAAJAAAABAAAAAAAAAAMAAAAEAAAAAAAAAAAAAAAAAAAAAAAAAAeAAAAaAAAAAAAAAAAAAAAAAAAAAAAAAAAAAAAECcAABAnAAAAAAAAAAAAAAAAAAAAAAAAAAAAAAAAAAAAAAAAAAAAABQAAAAAAAAAwMD/AAAAAABkAAAAMgAAAAAAAABkAAAAAAAAAH9/fwAKAAAAHwAAAFQAAAA2Cp4A////AQAAAAAAAAAAAAAAAAAAAAAAAAAAAAAAAAAAAAAAAAAAAAAAAn9/fwCAgIADzMzMAMDA/wB/f38AAAAAAAAAAAAAAAAAAAAAAAAAAAAhAAAAGAAAABQAAADlIQAA7hYAABokAAAeGAAAEAAAACYAAAAIAAAA//////////8="/>
+                <pr:smNativeData xmlns:pr="smNativeData" val="SMDATA_13_gcGAXRMAAAAlAAAAyAAAAA8BAAAAkAAAAEgAAACQAAAASAAAAAAAAAAAAAAAAAAAAAEAAABQAAAAAIIphXg83z8IPYQeQg/RPwAAAAAAAOA/AAAAAAAA4D8AAAAAAADgPwAAAAAAAOA/AAAAAAAA4D8AAAAAAADgPwAAAAAAAOA/AAAAAAAA4D8CAAAAjAAAAAEAAAAAAAAANgqeAP///wgAAAAAAAAAAAAAAAAAAAAAAAAAAAAAAAAAAAAAZAAAAAEAAABAAAAAAAAAAAAAAAAAAAAAAAAAAAAAAAAAAAAAAAAAAAAAAAAAAAAAAAAAAAAAAAAAAAAAAAAAAAAAAAAAAAAAAAAAAAAAAAAAAAAAAAAAAAAAAAAAAAAAFAAAADwAAAAAAAAAAAAAAAAAAAkAAAAAAQAAAAAAAAAAAAAAAAAAAAAAAAAAAAAAZAAAAGQAAAAAAAAAZAAAAGQAAAAVAAAAYAAAAAAAAAAAAAAADwAAACADAAAAAAAAAAAAAAEAAACgMgAAAAAAAAAAAAABAAAAf39/AAEAAABkAAAAAAAAABQAAABAHwAAAAAAACYAAAAAAAAAwOD//wAAAAAmAAAAZAAAABYAAABMAAAAAAAAAAAAAAAEAAAAAAAAAAEAAACAgIAKAAAAACgAAAAoAAAAZAAAAGQAAAAAAAAAzMzMAAAAAABQAAAAUAAAAGQAAABkAAAAAAAAABcAAAAUAAAAAAAAAAAAAAD/fwAA/38AAAAAAAAJAAAABAAAAAAAAAAMAAAAEAAAAAAAAAAAAAAAAAAAAAAAAAAeAAAAaAAAAAAAAAAAAAAAAAAAAAAAAAAAAAAAECcAABAnAAAAAAAAAAAAAAAAAAAAAAAAAAAAAAAAAAAAAAAAAAAAABQAAAAAAAAAwMD/AAAAAABkAAAAMgAAAAAAAABkAAAAAAAAAH9/fwAKAAAAHwAAAFQAAAA2Cp4A////AQAAAAAAAAAAAAAAAAAAAAAAAAAAAAAAAAAAAAAAAAAAAAAAAn9/fwCAgIADzMzMAMDA/wB/f38AAAAAAAAAAAAAAAAAAAAAAAAAAAAhAAAAGAAAABQAAADlIQAA7hYAABokAAAeGAAAEAAAACYAAAAIAAAA//////////8="/>
               </a:ext>
             </a:extLst>
           </p:cNvSpPr>
@@ -13155,7 +13155,7 @@
           <p:cNvSpPr txBox="1">
             <a:extLst>
               <a:ext uri="smNativeData">
-                <pr:smNativeData xmlns:pr="smNativeData" val="SMDATA_13_IrKAXRMAAAAlAAAAEgAAAE8BAAAAkAAAAEgAAACQAAAASAAAAAAAAAAAAAAAAAAAAAEAAABQAAAAAAAAAAAA4D8AAAAAAADgPwAAAAAAAOA/AAAAAAAA4D8AAAAAAADgPwAAAAAAAOA/AAAAAAAA4D8AAAAAAADgPwAAAAAAAOA/AAAAAAAA4D8CAAAAjAAAAAAAAAAAAAAAu+DjDP///wgAAAAAAAAAAAAAAAAAAAAAAAAAAAAAAAAAAAAAZAAAAAEAAABAAAAAAAAAAAAAAAAAAAAAAAAAAAAAAAAAAAAAAAAAAAAAAAAAAAAAAAAAAAAAAAAAAAAAAAAAAAAAAAAAAAAAAAAAAAAAAAAAAAAAAAAAAAAAAAAAAAAAFAAAADwAAAAAAAAAAAAAAAAAAAkUAAAAAQAAABQAAAAUAAAAFAAAAAEAAAAAAAAAZAAAAGQAAAAAAAAAZAAAAGQAAAAVAAAAYAAAAAAAAAAAAAAADwAAACADAAAAAAAAAAAAAAEAAACgMgAAVgcAAKr4//8BAAAAf39/AAEAAABkAAAAAAAAABQAAABAHwAAAAAAACYAAAAAAAAAwOD//wAAAAAmAAAAZAAAABYAAABMAAAAAAAAAAAAAAAEAAAAAAAAAAEAAACAgIAKAAAAACgAAAAoAAAAZAAAAGQAAAAAAAAAzMzMAAAAAABQAAAAUAAAAGQAAABkAAAAAAAAABcAAAAUAAAAAAAAANwIAAD/fwAA/38AAAAAAAAJAAAABAAAAAAAAAAMAAAAEAAAAAAAAAAAAAAAAAAAAAAAAAAeAAAAaAAAAAAAAAAAAAAAAAAAAAAAAAAAAAAAECcAABAnAAAAAAAAAAAAAAAAAAAAAAAAAAAAAAAAAAAAAAAAAAAAABQAAAAAAAAAwMD/AAAAAABkAAAAMgAAAAAAAABkAAAAAAAAAH9/fwAKAAAAHwAAAFQAAAC74OMF////AQAAAAAAAAAAAAAAAAAAAAAAAAAAAAAAAAAAAAAAAAAAAAAAAn9/fwCAgIADzMzMAMDA/wB/f38AAAAAAAAAAAAAAAAAAAAAAAAAAAAhAAAAGAAAABQAAAAFJAAAYxYAAOEsAACjGAAAECAAACYAAAAIAAAA//////////8="/>
+                <pr:smNativeData xmlns:pr="smNativeData" val="SMDATA_13_gcGAXRMAAAAlAAAAEgAAAE8BAAAAkAAAAEgAAACQAAAASAAAAAAAAAAAAAAAAAAAAAEAAABQAAAAAAAAAAAA4D8AAAAAAADgPwAAAAAAAOA/AAAAAAAA4D8AAAAAAADgPwAAAAAAAOA/AAAAAAAA4D8AAAAAAADgPwAAAAAAAOA/AAAAAAAA4D8CAAAAjAAAAAAAAAAAAAAAu+DjDP///wgAAAAAAAAAAAAAAAAAAAAAAAAAAAAAAAAAAAAAZAAAAAEAAABAAAAAAAAAAAAAAAAAAAAAAAAAAAAAAAAAAAAAAAAAAAAAAAAAAAAAAAAAAAAAAAAAAAAAAAAAAAAAAAAAAAAAAAAAAAAAAAAAAAAAAAAAAAAAAAAAAAAAFAAAADwAAAAAAAAAAAAAAAAAAAkUAAAAAQAAABQAAAAUAAAAFAAAAAEAAAAAAAAAZAAAAGQAAAAAAAAAZAAAAGQAAAAVAAAAYAAAAAAAAAAAAAAADwAAACADAAAAAAAAAAAAAAEAAACgMgAAVgcAAKr4//8BAAAAf39/AAEAAABkAAAAAAAAABQAAABAHwAAAAAAACYAAAAAAAAAwOD//wAAAAAmAAAAZAAAABYAAABMAAAAAAAAAAAAAAAEAAAAAAAAAAEAAACAgIAKAAAAACgAAAAoAAAAZAAAAGQAAAAAAAAAzMzMAAAAAABQAAAAUAAAAGQAAABkAAAAAAAAABcAAAAUAAAAAAAAANwIAAD/fwAA/38AAAAAAAAJAAAABAAAAAAAAAAMAAAAEAAAAAAAAAAAAAAAAAAAAAAAAAAeAAAAaAAAAAAAAAAAAAAAAAAAAAAAAAAAAAAAECcAABAnAAAAAAAAAAAAAAAAAAAAAAAAAAAAAAAAAAAAAAAAAAAAABQAAAAAAAAAwMD/AAAAAABkAAAAMgAAAAAAAABkAAAAAAAAAH9/fwAKAAAAHwAAAFQAAAC74OMF////AQAAAAAAAAAAAAAAAAAAAAAAAAAAAAAAAAAAAAAAAAAAAAAAAn9/fwCAgIADzMzMAMDA/wB/f38AAAAAAAAAAAAAAAAAAAAAAAAAAAAhAAAAGAAAABQAAAAFJAAAYxYAAOEsAACjGAAAECAAACYAAAAIAAAA//////////8="/>
               </a:ext>
             </a:extLst>
           </p:cNvSpPr>
@@ -13201,7 +13201,7 @@
           <p:cNvSpPr>
             <a:extLst>
               <a:ext uri="smNativeData">
-                <pr:smNativeData xmlns:pr="smNativeData" val="SMDATA_13_IrKAXRMAAAAlAAAAZAAAAA8BAAAAkAAAAEgAAACQAAAASAAAAAAAAAAAAAAAAAAAAAEAAABQAAAAAAAAAAAA4D8AAAAAAADgPwAAAAAAAOA/AAAAAAAA4D8AAAAAAADgPwAAAAAAAOA/AAAAAAAA4D8AAAAAAADgPwAAAAAAAOA/AAAAAAAA4D8CAAAAjAAAAAEAAAAAAAAASdZJAP///wgAAAAAAAAAAAAAAAAAAAAAAAAAAAAAAAAAAAAAZAAAAAEAAABAAAAAAAAAAAAAAAAAAAAAAAAAAAAAAAAAAAAAAAAAAAAAAAAAAAAAAAAAAAAAAAAAAAAAAAAAAAAAAAAAAAAAAAAAAAAAAAAAAAAAAAAAAAAAAAAAAAAAFAAAADwAAAABAAAAAAAAABx9HAAoAAAAAQAAAAIAAAAAAAAAAAAAAAAAAAAAAAAAZAAAAGQAAAAAAAAAZAAAAGQAAAAVAAAAYAAAAAAAAAAAAAAADwAAACADAAAAAAAAAAAAAAEAAACgMgAAAAAAAAAAAAABAAAAf39/AAEAAABkAAAAAAAAABQAAABAHwAAAAAAACYAAAAAAAAAwOD//wAAAAAmAAAAZAAAABYAAABMAAAAAAAAAAAAAAAEAAAAAAAAAAEAAACAgIAKAAAAACgAAAAoAAAAZAAAAGQAAAAAAAAAzMzMAAAAAABQAAAAUAAAAGQAAABkAAAAAAAAABcAAAAUAAAAAAAAAAAAAAD/fwAA/38AAAAAAAAJAAAABAAAAAAAAAAMAAAAEAAAAAAAAAAAAAAAAAAAAAAAAAAeAAAAaAAAAAAAAAAAAAAAAAAAAAAAAAAAAAAAECcAABAnAAAAAAAAAAAAAAAAAAAAAAAAAAAAAAAAAAAAAAAAAAAAABQAAAAAAAAAwMD/AAAAAABkAAAAMgAAAAAAAABkAAAAAAAAAH9/fwAKAAAAHwAAAFQAAABJ1kkA////AQAAAAAAAAAAAAAAAAAAAAAAAAAAAAAAAAAAAAAAAAAAHH0cAH9/fwCAgIADzMzMAMDA/wB/f38AAAAAAAAAAAAAAAAAAAAAAAAAAAAhAAAAGAAAABQAAAC1IAAAICAAAHkiAADeIQAAEAAAACYAAAAIAAAA//////////8="/>
+                <pr:smNativeData xmlns:pr="smNativeData" val="SMDATA_13_gcGAXRMAAAAlAAAAZAAAAA8BAAAAkAAAAEgAAACQAAAASAAAAAAAAAAAAAAAAAAAAAEAAABQAAAAAAAAAAAA4D8AAAAAAADgPwAAAAAAAOA/AAAAAAAA4D8AAAAAAADgPwAAAAAAAOA/AAAAAAAA4D8AAAAAAADgPwAAAAAAAOA/AAAAAAAA4D8CAAAAjAAAAAEAAAAAAAAASdZJAP///wgAAAAAAAAAAAAAAAAAAAAAAAAAAAAAAAAAAAAAZAAAAAEAAABAAAAAAAAAAAAAAAAAAAAAAAAAAAAAAAAAAAAAAAAAAAAAAAAAAAAAAAAAAAAAAAAAAAAAAAAAAAAAAAAAAAAAAAAAAAAAAAAAAAAAAAAAAAAAAAAAAAAAFAAAADwAAAABAAAAAAAAABx9HAAoAAAAAQAAAAIAAAAAAAAAAAAAAAAAAAAAAAAAZAAAAGQAAAAAAAAAZAAAAGQAAAAVAAAAYAAAAAAAAAAAAAAADwAAACADAAAAAAAAAAAAAAEAAACgMgAAAAAAAAAAAAABAAAAf39/AAEAAABkAAAAAAAAABQAAABAHwAAAAAAACYAAAAAAAAAwOD//wAAAAAmAAAAZAAAABYAAABMAAAAAAAAAAAAAAAEAAAAAAAAAAEAAACAgIAKAAAAACgAAAAoAAAAZAAAAGQAAAAAAAAAzMzMAAAAAABQAAAAUAAAAGQAAABkAAAAAAAAABcAAAAUAAAAAAAAAAAAAAD/fwAA/38AAAAAAAAJAAAABAAAAAAAAAAMAAAAEAAAAAAAAAAAAAAAAAAAAAAAAAAeAAAAaAAAAAAAAAAAAAAAAAAAAAAAAAAAAAAAECcAABAnAAAAAAAAAAAAAAAAAAAAAAAAAAAAAAAAAAAAAAAAAAAAABQAAAAAAAAAwMD/AAAAAABkAAAAMgAAAAAAAABkAAAAAAAAAH9/fwAKAAAAHwAAAFQAAABJ1kkA////AQAAAAAAAAAAAAAAAAAAAAAAAAAAAAAAAAAAAAAAAAAAHH0cAH9/fwCAgIADzMzMAMDA/wB/f38AAAAAAAAAAAAAAAAAAAAAAAAAAAAhAAAAGAAAABQAAAC1IAAAICAAAHkiAADeIQAAEAAAACYAAAAIAAAA//////////8="/>
               </a:ext>
             </a:extLst>
           </p:cNvSpPr>
@@ -13235,7 +13235,7 @@
           <p:cNvSpPr>
             <a:extLst>
               <a:ext uri="smNativeData">
-                <pr:smNativeData xmlns:pr="smNativeData" val="SMDATA_13_IrKAXRMAAAAlAAAAyAAAAA8BAAAAkAAAAEgAAACQAAAASAAAAAAAAAAAAAAAAAAAAAEAAABQAAAAAIIphXg83z8IPYQeQg/RPwAAAAAAAOA/AAAAAAAA4D8AAAAAAADgPwAAAAAAAOA/AAAAAAAA4D8AAAAAAADgPwAAAAAAAOA/AAAAAAAA4D8CAAAAjAAAAAEAAAAAAAAAHH0cAP///wgAAAAAAAAAAAAAAAAAAAAAAAAAAAAAAAAAAAAAZAAAAAEAAABAAAAAAAAAAAAAAAAAAAAAAAAAAAAAAAAAAAAAAAAAAAAAAAAAAAAAAAAAAAAAAAAAAAAAAAAAAAAAAAAAAAAAAAAAAAAAAAAAAAAAAAAAAAAAAAAAAAAAFAAAADwAAAAAAAAAAAAAAAAAAAkAAAAAAQAAAAAAAAAAAAAAAAAAAAAAAAAAAAAAZAAAAGQAAAAAAAAAZAAAAGQAAAAVAAAAYAAAAAAAAAAAAAAADwAAACADAAAAAAAAAAAAAAEAAACgMgAAAAAAAAAAAAABAAAAf39/AAEAAABkAAAAAAAAABQAAABAHwAAAAAAACYAAAAAAAAAwOD//wAAAAAmAAAAZAAAABYAAABMAAAAAAAAAAAAAAAEAAAAAAAAAAEAAACAgIAKAAAAACgAAAAoAAAAZAAAAGQAAAAAAAAAzMzMAAAAAABQAAAAUAAAAGQAAABkAAAAAAAAABcAAAAUAAAAAAAAAAAAAAD/fwAA/38AAAAAAAAJAAAABAAAAAAAAAAMAAAAEAAAAAAAAAAAAAAAAAAAAAAAAAAeAAAAaAAAAAAAAAAAAAAAAAAAAAAAAAAAAAAAECcAABAnAAAAAAAAAAAAAAAAAAAAAAAAAAAAAAAAAAAAAAAAAAAAABQAAAAAAAAAwMD/AAAAAABkAAAAMgAAAAAAAABkAAAAAAAAAH9/fwAKAAAAHwAAAFQAAAAcfRwA////AQAAAAAAAAAAAAAAAAAAAAAAAAAAAAAAAAAAAAAAAAAAAAAAAn9/fwCAgIADzMzMAMDA/wB/f38AAAAAAAAAAAAAAAAAAAAAAAAAAAAhAAAAGAAAABQAAADjIQAAfiAAABgkAACuIQAAEAAAACYAAAAIAAAA//////////8="/>
+                <pr:smNativeData xmlns:pr="smNativeData" val="SMDATA_13_gcGAXRMAAAAlAAAAyAAAAA8BAAAAkAAAAEgAAACQAAAASAAAAAAAAAAAAAAAAAAAAAEAAABQAAAAAIIphXg83z8IPYQeQg/RPwAAAAAAAOA/AAAAAAAA4D8AAAAAAADgPwAAAAAAAOA/AAAAAAAA4D8AAAAAAADgPwAAAAAAAOA/AAAAAAAA4D8CAAAAjAAAAAEAAAAAAAAAHH0cAP///wgAAAAAAAAAAAAAAAAAAAAAAAAAAAAAAAAAAAAAZAAAAAEAAABAAAAAAAAAAAAAAAAAAAAAAAAAAAAAAAAAAAAAAAAAAAAAAAAAAAAAAAAAAAAAAAAAAAAAAAAAAAAAAAAAAAAAAAAAAAAAAAAAAAAAAAAAAAAAAAAAAAAAFAAAADwAAAAAAAAAAAAAAAAAAAkAAAAAAQAAAAAAAAAAAAAAAAAAAAAAAAAAAAAAZAAAAGQAAAAAAAAAZAAAAGQAAAAVAAAAYAAAAAAAAAAAAAAADwAAACADAAAAAAAAAAAAAAEAAACgMgAAAAAAAAAAAAABAAAAf39/AAEAAABkAAAAAAAAABQAAABAHwAAAAAAACYAAAAAAAAAwOD//wAAAAAmAAAAZAAAABYAAABMAAAAAAAAAAAAAAAEAAAAAAAAAAEAAACAgIAKAAAAACgAAAAoAAAAZAAAAGQAAAAAAAAAzMzMAAAAAABQAAAAUAAAAGQAAABkAAAAAAAAABcAAAAUAAAAAAAAAAAAAAD/fwAA/38AAAAAAAAJAAAABAAAAAAAAAAMAAAAEAAAAAAAAAAAAAAAAAAAAAAAAAAeAAAAaAAAAAAAAAAAAAAAAAAAAAAAAAAAAAAAECcAABAnAAAAAAAAAAAAAAAAAAAAAAAAAAAAAAAAAAAAAAAAAAAAABQAAAAAAAAAwMD/AAAAAABkAAAAMgAAAAAAAABkAAAAAAAAAH9/fwAKAAAAHwAAAFQAAAAcfRwA////AQAAAAAAAAAAAAAAAAAAAAAAAAAAAAAAAAAAAAAAAAAAAAAAAn9/fwCAgIADzMzMAMDA/wB/f38AAAAAAAAAAAAAAAAAAAAAAAAAAAAhAAAAGAAAABQAAADjIQAAfiAAABgkAACuIQAAEAAAACYAAAAIAAAA//////////8="/>
               </a:ext>
             </a:extLst>
           </p:cNvSpPr>
@@ -13267,7 +13267,7 @@
           <p:cNvSpPr txBox="1">
             <a:extLst>
               <a:ext uri="smNativeData">
-                <pr:smNativeData xmlns:pr="smNativeData" val="SMDATA_13_IrKAXRMAAAAlAAAAEgAAAE8BAAAAkAAAAEgAAACQAAAASAAAAAAAAAAAAAAAAAAAAAEAAABQAAAAAAAAAAAA4D8AAAAAAADgPwAAAAAAAOA/AAAAAAAA4D8AAAAAAADgPwAAAAAAAOA/AAAAAAAA4D8AAAAAAADgPwAAAAAAAOA/AAAAAAAA4D8CAAAAjAAAAAAAAAAAAAAAu+DjDP///wgAAAAAAAAAAAAAAAAAAAAAAAAAAAAAAAAAAAAAZAAAAAEAAABAAAAAAAAAAAAAAAAAAAAAAAAAAAAAAAAAAAAAAAAAAAAAAAAAAAAAAAAAAAAAAAAAAAAAAAAAAAAAAAAAAAAAAAAAAAAAAAAAAAAAAAAAAAAAAAAAAAAAFAAAADwAAAAAAAAAAAAAAAAAAAkUAAAAAQAAABQAAAAUAAAAFAAAAAEAAAAAAAAAZAAAAGQAAAAAAAAAZAAAAGQAAAAVAAAAYAAAAAAAAAAAAAAADwAAACADAAAAAAAAAAAAAAEAAACgMgAAVgcAAKr4//8BAAAAf39/AAEAAABkAAAAAAAAABQAAABAHwAAAAAAACYAAAAAAAAAwOD//wAAAAAmAAAAZAAAABYAAABMAAAAAAAAAAAAAAAEAAAAAAAAAAEAAACAgIAKAAAAACgAAAAoAAAAZAAAAGQAAAAAAAAAzMzMAAAAAABQAAAAUAAAAGQAAABkAAAAAAAAABcAAAAUAAAAAAAAANwIAAD/fwAA/38AAAAAAAAJAAAABAAAAAAAAAAMAAAAEAAAAAAAAAAAAAAAAAAAAAAAAAAeAAAAaAAAAAAAAAAAAAAAAAAAAAAAAAAAAAAAECcAABAnAAAAAAAAAAAAAAAAAAAAAAAAAAAAAAAAAAAAAAAAAAAAABQAAAAAAAAAwMD/AAAAAABkAAAAMgAAAAAAAABkAAAAAAAAAH9/fwAKAAAAHwAAAFQAAAC74OMF////AQAAAAAAAAAAAAAAAAAAAAAAAAAAAAAAAAAAAAAAAAAAAAAAAn9/fwCAgIADzMzMAMDA/wB/f38AAAAAAAAAAAAAAAAAAAAAAAAAAAAhAAAAGAAAABQAAAADJAAA8x8AAN8sAAAzIgAAECAAACYAAAAIAAAA//////////8="/>
+                <pr:smNativeData xmlns:pr="smNativeData" val="SMDATA_13_gcGAXRMAAAAlAAAAEgAAAE8BAAAAkAAAAEgAAACQAAAASAAAAAAAAAAAAAAAAAAAAAEAAABQAAAAAAAAAAAA4D8AAAAAAADgPwAAAAAAAOA/AAAAAAAA4D8AAAAAAADgPwAAAAAAAOA/AAAAAAAA4D8AAAAAAADgPwAAAAAAAOA/AAAAAAAA4D8CAAAAjAAAAAAAAAAAAAAAu+DjDP///wgAAAAAAAAAAAAAAAAAAAAAAAAAAAAAAAAAAAAAZAAAAAEAAABAAAAAAAAAAAAAAAAAAAAAAAAAAAAAAAAAAAAAAAAAAAAAAAAAAAAAAAAAAAAAAAAAAAAAAAAAAAAAAAAAAAAAAAAAAAAAAAAAAAAAAAAAAAAAAAAAAAAAFAAAADwAAAAAAAAAAAAAAAAAAAkUAAAAAQAAABQAAAAUAAAAFAAAAAEAAAAAAAAAZAAAAGQAAAAAAAAAZAAAAGQAAAAVAAAAYAAAAAAAAAAAAAAADwAAACADAAAAAAAAAAAAAAEAAACgMgAAVgcAAKr4//8BAAAAf39/AAEAAABkAAAAAAAAABQAAABAHwAAAAAAACYAAAAAAAAAwOD//wAAAAAmAAAAZAAAABYAAABMAAAAAAAAAAAAAAAEAAAAAAAAAAEAAACAgIAKAAAAACgAAAAoAAAAZAAAAGQAAAAAAAAAzMzMAAAAAABQAAAAUAAAAGQAAABkAAAAAAAAABcAAAAUAAAAAAAAANwIAAD/fwAA/38AAAAAAAAJAAAABAAAAAAAAAAMAAAAEAAAAAAAAAAAAAAAAAAAAAAAAAAeAAAAaAAAAAAAAAAAAAAAAAAAAAAAAAAAAAAAECcAABAnAAAAAAAAAAAAAAAAAAAAAAAAAAAAAAAAAAAAAAAAAAAAABQAAAAAAAAAwMD/AAAAAABkAAAAMgAAAAAAAABkAAAAAAAAAH9/fwAKAAAAHwAAAFQAAAC74OMF////AQAAAAAAAAAAAAAAAAAAAAAAAAAAAAAAAAAAAAAAAAAAAAAAAn9/fwCAgIADzMzMAMDA/wB/f38AAAAAAAAAAAAAAAAAAAAAAAAAAAAhAAAAGAAAABQAAAADJAAA8x8AAN8sAAAzIgAAECAAACYAAAAIAAAA//////////8="/>
               </a:ext>
             </a:extLst>
           </p:cNvSpPr>
@@ -13313,7 +13313,7 @@
           <p:cNvSpPr>
             <a:extLst>
               <a:ext uri="smNativeData">
-                <pr:smNativeData xmlns:pr="smNativeData" val="SMDATA_13_IrKAXRMAAAAlAAAAZAAAAA8BAAAAkAAAAEgAAACQAAAASAAAAAAAAAAAAAAAAAAAAAEAAABQAAAAAAAAAAAA4D8AAAAAAADgPwAAAAAAAOA/AAAAAAAA4D8AAAAAAADgPwAAAAAAAOA/AAAAAAAA4D8AAAAAAADgPwAAAAAAAOA/AAAAAAAA4D8CAAAAjAAAAAEAAAAAAAAASdZJAP///wgAAAAAAAAAAAAAAAAAAAAAAAAAAAAAAAAAAAAAZAAAAAEAAABAAAAAAAAAAAAAAAAAAAAAAAAAAAAAAAAAAAAAAAAAAAAAAAAAAAAAAAAAAAAAAAAAAAAAAAAAAAAAAAAAAAAAAAAAAAAAAAAAAAAAAAAAAAAAAAAAAAAAFAAAADwAAAABAAAAAAAAABx9HAAoAAAAAQAAAAIAAAAAAAAAAAAAAAAAAAAAAAAAZAAAAGQAAAAAAAAAZAAAAGQAAAAVAAAAYAAAAAAAAAAAAAAADwAAACADAAAAAAAAAAAAAAEAAACgMgAAAAAAAAAAAAABAAAAf39/AAEAAABkAAAAAAAAABQAAABAHwAAAAAAACYAAAAAAAAAwOD//wAAAAAmAAAAZAAAABYAAABMAAAAAAAAAAAAAAAEAAAAAAAAAAEAAACAgIAKAAAAACgAAAAoAAAAZAAAAGQAAAAAAAAAzMzMAAAAAABQAAAAUAAAAGQAAABkAAAAAAAAABcAAAAUAAAAAAAAAAAAAAD/fwAA/38AAAAAAAAJAAAABAAAAAAAAAAMAAAAEAAAAAAAAAAAAAAAAAAAAAAAAAAeAAAAaAAAAAAAAAAAAAAAAAAAAAAAAAAAAAAAECcAABAnAAAAAAAAAAAAAAAAAAAAAAAAAAAAAAAAAAAAAAAAAAAAABQAAAAAAAAAwMD/AAAAAABkAAAAMgAAAAAAAABkAAAAAAAAAH9/fwAKAAAAHwAAAFQAAABJ1kkA////AQAAAAAAAAAAAAAAAAAAAAAAAAAAAAAAAAAAAAAAAAAAHH0cAH9/fwCAgIADzMzMAMDA/wB/f38AAAAAAAAAAAAAAAAAAAAAAAAAAAAhAAAAGAAAABQAAAC1IAAAeCIAAHkiAAA2JAAAEAAAACYAAAAIAAAA//////////8="/>
+                <pr:smNativeData xmlns:pr="smNativeData" val="SMDATA_13_gcGAXRMAAAAlAAAAZAAAAA8BAAAAkAAAAEgAAACQAAAASAAAAAAAAAAAAAAAAAAAAAEAAABQAAAAAAAAAAAA4D8AAAAAAADgPwAAAAAAAOA/AAAAAAAA4D8AAAAAAADgPwAAAAAAAOA/AAAAAAAA4D8AAAAAAADgPwAAAAAAAOA/AAAAAAAA4D8CAAAAjAAAAAEAAAAAAAAASdZJAP///wgAAAAAAAAAAAAAAAAAAAAAAAAAAAAAAAAAAAAAZAAAAAEAAABAAAAAAAAAAAAAAAAAAAAAAAAAAAAAAAAAAAAAAAAAAAAAAAAAAAAAAAAAAAAAAAAAAAAAAAAAAAAAAAAAAAAAAAAAAAAAAAAAAAAAAAAAAAAAAAAAAAAAFAAAADwAAAABAAAAAAAAABx9HAAoAAAAAQAAAAIAAAAAAAAAAAAAAAAAAAAAAAAAZAAAAGQAAAAAAAAAZAAAAGQAAAAVAAAAYAAAAAAAAAAAAAAADwAAACADAAAAAAAAAAAAAAEAAACgMgAAAAAAAAAAAAABAAAAf39/AAEAAABkAAAAAAAAABQAAABAHwAAAAAAACYAAAAAAAAAwOD//wAAAAAmAAAAZAAAABYAAABMAAAAAAAAAAAAAAAEAAAAAAAAAAEAAACAgIAKAAAAACgAAAAoAAAAZAAAAGQAAAAAAAAAzMzMAAAAAABQAAAAUAAAAGQAAABkAAAAAAAAABcAAAAUAAAAAAAAAAAAAAD/fwAA/38AAAAAAAAJAAAABAAAAAAAAAAMAAAAEAAAAAAAAAAAAAAAAAAAAAAAAAAeAAAAaAAAAAAAAAAAAAAAAAAAAAAAAAAAAAAAECcAABAnAAAAAAAAAAAAAAAAAAAAAAAAAAAAAAAAAAAAAAAAAAAAABQAAAAAAAAAwMD/AAAAAABkAAAAMgAAAAAAAABkAAAAAAAAAH9/fwAKAAAAHwAAAFQAAABJ1kkA////AQAAAAAAAAAAAAAAAAAAAAAAAAAAAAAAAAAAAAAAAAAAHH0cAH9/fwCAgIADzMzMAMDA/wB/f38AAAAAAAAAAAAAAAAAAAAAAAAAAAAhAAAAGAAAABQAAAC1IAAAeCIAAHkiAAA2JAAAEAAAACYAAAAIAAAA//////////8="/>
               </a:ext>
             </a:extLst>
           </p:cNvSpPr>
@@ -13347,7 +13347,7 @@
           <p:cNvSpPr>
             <a:extLst>
               <a:ext uri="smNativeData">
-                <pr:smNativeData xmlns:pr="smNativeData" val="SMDATA_13_IrKAXRMAAAAlAAAAyAAAAA8BAAAAkAAAAEgAAACQAAAASAAAAAAAAAAAAAAAAAAAAAEAAABQAAAAAIIphXg83z8IPYQeQg/RPwAAAAAAAOA/AAAAAAAA4D8AAAAAAADgPwAAAAAAAOA/AAAAAAAA4D8AAAAAAADgPwAAAAAAAOA/AAAAAAAA4D8CAAAAjAAAAAEAAAAAAAAAHH0cAP///wgAAAAAAAAAAAAAAAAAAAAAAAAAAAAAAAAAAAAAZAAAAAEAAABAAAAAAAAAAAAAAAAAAAAAAAAAAAAAAAAAAAAAAAAAAAAAAAAAAAAAAAAAAAAAAAAAAAAAAAAAAAAAAAAAAAAAAAAAAAAAAAAAAAAAAAAAAAAAAAAAAAAAFAAAADwAAAAAAAAAAAAAAAAAAAkAAAAAAQAAAAAAAAAAAAAAAAAAAAAAAAAAAAAAZAAAAGQAAAAAAAAAZAAAAGQAAAAVAAAAYAAAAAAAAAAAAAAADwAAACADAAAAAAAAAAAAAAEAAACgMgAAAAAAAAAAAAABAAAAf39/AAEAAABkAAAAAAAAABQAAABAHwAAAAAAACYAAAAAAAAAwOD//wAAAAAmAAAAZAAAABYAAABMAAAAAAAAAAAAAAAEAAAAAAAAAAEAAACAgIAKAAAAACgAAAAoAAAAZAAAAGQAAAAAAAAAzMzMAAAAAABQAAAAUAAAAGQAAABkAAAAAAAAABcAAAAUAAAAAAAAAAAAAAD/fwAA/38AAAAAAAAJAAAABAAAAAAAAAAMAAAAEAAAAAAAAAAAAAAAAAAAAAAAAAAeAAAAaAAAAAAAAAAAAAAAAAAAAAAAAAAAAAAAECcAABAnAAAAAAAAAAAAAAAAAAAAAAAAAAAAAAAAAAAAAAAAAAAAABQAAAAAAAAAwMD/AAAAAABkAAAAMgAAAAAAAABkAAAAAAAAAH9/fwAKAAAAHwAAAFQAAAAcfRwA////AQAAAAAAAAAAAAAAAAAAAAAAAAAAAAAAAAAAAAAAAAAAAAAAAn9/fwCAgIADzMzMAMDA/wB/f38AAAAAAAAAAAAAAAAAAAAAAAAAAAAhAAAAGAAAABQAAADjIQAA1iIAABgkAAAGJAAAEAAAACYAAAAIAAAA//////////8="/>
+                <pr:smNativeData xmlns:pr="smNativeData" val="SMDATA_13_gcGAXRMAAAAlAAAAyAAAAA8BAAAAkAAAAEgAAACQAAAASAAAAAAAAAAAAAAAAAAAAAEAAABQAAAAAIIphXg83z8IPYQeQg/RPwAAAAAAAOA/AAAAAAAA4D8AAAAAAADgPwAAAAAAAOA/AAAAAAAA4D8AAAAAAADgPwAAAAAAAOA/AAAAAAAA4D8CAAAAjAAAAAEAAAAAAAAAHH0cAP///wgAAAAAAAAAAAAAAAAAAAAAAAAAAAAAAAAAAAAAZAAAAAEAAABAAAAAAAAAAAAAAAAAAAAAAAAAAAAAAAAAAAAAAAAAAAAAAAAAAAAAAAAAAAAAAAAAAAAAAAAAAAAAAAAAAAAAAAAAAAAAAAAAAAAAAAAAAAAAAAAAAAAAFAAAADwAAAAAAAAAAAAAAAAAAAkAAAAAAQAAAAAAAAAAAAAAAAAAAAAAAAAAAAAAZAAAAGQAAAAAAAAAZAAAAGQAAAAVAAAAYAAAAAAAAAAAAAAADwAAACADAAAAAAAAAAAAAAEAAACgMgAAAAAAAAAAAAABAAAAf39/AAEAAABkAAAAAAAAABQAAABAHwAAAAAAACYAAAAAAAAAwOD//wAAAAAmAAAAZAAAABYAAABMAAAAAAAAAAAAAAAEAAAAAAAAAAEAAACAgIAKAAAAACgAAAAoAAAAZAAAAGQAAAAAAAAAzMzMAAAAAABQAAAAUAAAAGQAAABkAAAAAAAAABcAAAAUAAAAAAAAAAAAAAD/fwAA/38AAAAAAAAJAAAABAAAAAAAAAAMAAAAEAAAAAAAAAAAAAAAAAAAAAAAAAAeAAAAaAAAAAAAAAAAAAAAAAAAAAAAAAAAAAAAECcAABAnAAAAAAAAAAAAAAAAAAAAAAAAAAAAAAAAAAAAAAAAAAAAABQAAAAAAAAAwMD/AAAAAABkAAAAMgAAAAAAAABkAAAAAAAAAH9/fwAKAAAAHwAAAFQAAAAcfRwA////AQAAAAAAAAAAAAAAAAAAAAAAAAAAAAAAAAAAAAAAAAAAAAAAAn9/fwCAgIADzMzMAMDA/wB/f38AAAAAAAAAAAAAAAAAAAAAAAAAAAAhAAAAGAAAABQAAADjIQAA1iIAABgkAAAGJAAAEAAAACYAAAAIAAAA//////////8="/>
               </a:ext>
             </a:extLst>
           </p:cNvSpPr>
@@ -13379,7 +13379,7 @@
           <p:cNvSpPr txBox="1">
             <a:extLst>
               <a:ext uri="smNativeData">
-                <pr:smNativeData xmlns:pr="smNativeData" val="SMDATA_13_IrKAXRMAAAAlAAAAEgAAAE8BAAAAkAAAAEgAAACQAAAASAAAAAAAAAAAAAAAAAAAAAEAAABQAAAAAAAAAAAA4D8AAAAAAADgPwAAAAAAAOA/AAAAAAAA4D8AAAAAAADgPwAAAAAAAOA/AAAAAAAA4D8AAAAAAADgPwAAAAAAAOA/AAAAAAAA4D8CAAAAjAAAAAAAAAAAAAAAu+DjDP///wgAAAAAAAAAAAAAAAAAAAAAAAAAAAAAAAAAAAAAZAAAAAEAAABAAAAAAAAAAAAAAAAAAAAAAAAAAAAAAAAAAAAAAAAAAAAAAAAAAAAAAAAAAAAAAAAAAAAAAAAAAAAAAAAAAAAAAAAAAAAAAAAAAAAAAAAAAAAAAAAAAAAAFAAAADwAAAAAAAAAAAAAAAAAAAkUAAAAAQAAABQAAAAUAAAAFAAAAAEAAAAAAAAAZAAAAGQAAAAAAAAAZAAAAGQAAAAVAAAAYAAAAAAAAAAAAAAADwAAACADAAAAAAAAAAAAAAEAAACgMgAAVgcAAKr4//8BAAAAf39/AAEAAABkAAAAAAAAABQAAABAHwAAAAAAACYAAAAAAAAAwOD//wAAAAAmAAAAZAAAABYAAABMAAAAAAAAAAAAAAAEAAAAAAAAAAEAAACAgIAKAAAAACgAAAAoAAAAZAAAAGQAAAAAAAAAzMzMAAAAAABQAAAAUAAAAGQAAABkAAAAAAAAABcAAAAUAAAAAAAAANwIAAD/fwAA/38AAAAAAAAJAAAABAAAAAAAAAAMAAAAEAAAAAAAAAAAAAAAAAAAAAAAAAAeAAAAaAAAAAAAAAAAAAAAAAAAAAAAAAAAAAAAECcAABAnAAAAAAAAAAAAAAAAAAAAAAAAAAAAAAAAAAAAAAAAAAAAABQAAAAAAAAAwMD/AAAAAABkAAAAMgAAAAAAAABkAAAAAAAAAH9/fwAKAAAAHwAAAFQAAAC74OMF////AQAAAAAAAAAAAAAAAAAAAAAAAAAAAAAAAAAAAAAAAAAAAAAAAn9/fwCAgIADzMzMAMDA/wB/f38AAAAAAAAAAAAAAAAAAAAAAAAAAAAhAAAAGAAAABQAAAADJAAASyIAAN8sAACLJAAAECAAACYAAAAIAAAA//////////8="/>
+                <pr:smNativeData xmlns:pr="smNativeData" val="SMDATA_13_gcGAXRMAAAAlAAAAEgAAAE8BAAAAkAAAAEgAAACQAAAASAAAAAAAAAAAAAAAAAAAAAEAAABQAAAAAAAAAAAA4D8AAAAAAADgPwAAAAAAAOA/AAAAAAAA4D8AAAAAAADgPwAAAAAAAOA/AAAAAAAA4D8AAAAAAADgPwAAAAAAAOA/AAAAAAAA4D8CAAAAjAAAAAAAAAAAAAAAu+DjDP///wgAAAAAAAAAAAAAAAAAAAAAAAAAAAAAAAAAAAAAZAAAAAEAAABAAAAAAAAAAAAAAAAAAAAAAAAAAAAAAAAAAAAAAAAAAAAAAAAAAAAAAAAAAAAAAAAAAAAAAAAAAAAAAAAAAAAAAAAAAAAAAAAAAAAAAAAAAAAAAAAAAAAAFAAAADwAAAAAAAAAAAAAAAAAAAkUAAAAAQAAABQAAAAUAAAAFAAAAAEAAAAAAAAAZAAAAGQAAAAAAAAAZAAAAGQAAAAVAAAAYAAAAAAAAAAAAAAADwAAACADAAAAAAAAAAAAAAEAAACgMgAAVgcAAKr4//8BAAAAf39/AAEAAABkAAAAAAAAABQAAABAHwAAAAAAACYAAAAAAAAAwOD//wAAAAAmAAAAZAAAABYAAABMAAAAAAAAAAAAAAAEAAAAAAAAAAEAAACAgIAKAAAAACgAAAAoAAAAZAAAAGQAAAAAAAAAzMzMAAAAAABQAAAAUAAAAGQAAABkAAAAAAAAABcAAAAUAAAAAAAAANwIAAD/fwAA/38AAAAAAAAJAAAABAAAAAAAAAAMAAAAEAAAAAAAAAAAAAAAAAAAAAAAAAAeAAAAaAAAAAAAAAAAAAAAAAAAAAAAAAAAAAAAECcAABAnAAAAAAAAAAAAAAAAAAAAAAAAAAAAAAAAAAAAAAAAAAAAABQAAAAAAAAAwMD/AAAAAABkAAAAMgAAAAAAAABkAAAAAAAAAH9/fwAKAAAAHwAAAFQAAAC74OMF////AQAAAAAAAAAAAAAAAAAAAAAAAAAAAAAAAAAAAAAAAAAAAAAAAn9/fwCAgIADzMzMAMDA/wB/f38AAAAAAAAAAAAAAAAAAAAAAAAAAAAhAAAAGAAAABQAAAADJAAASyIAAN8sAACLJAAAECAAACYAAAAIAAAA//////////8="/>
               </a:ext>
             </a:extLst>
           </p:cNvSpPr>
@@ -13425,7 +13425,7 @@
           <p:cNvSpPr>
             <a:extLst>
               <a:ext uri="smNativeData">
-                <pr:smNativeData xmlns:pr="smNativeData" val="SMDATA_13_IrKAXRMAAAAlAAAAZAAAAA8BAAAAkAAAAEgAAACQAAAASAAAAAAAAAAAAAAAAAAAAAEAAABQAAAAAAAAAAAA4D8AAAAAAADgPwAAAAAAAOA/AAAAAAAA4D8AAAAAAADgPwAAAAAAAOA/AAAAAAAA4D8AAAAAAADgPwAAAAAAAOA/AAAAAAAA4D8CAAAAjAAAAAEAAAAAAAAASdZJAP///wgAAAAAAAAAAAAAAAAAAAAAAAAAAAAAAAAAAAAAZAAAAAEAAABAAAAAAAAAAAAAAAAAAAAAAAAAAAAAAAAAAAAAAAAAAAAAAAAAAAAAAAAAAAAAAAAAAAAAAAAAAAAAAAAAAAAAAAAAAAAAAAAAAAAAAAAAAAAAAAAAAAAAFAAAADwAAAABAAAAAAAAABx9HAAoAAAAAQAAAAIAAAAAAAAAAAAAAAAAAAAAAAAAZAAAAGQAAAAAAAAAZAAAAGQAAAAVAAAAYAAAAAAAAAAAAAAADwAAACADAAAAAAAAAAAAAAEAAACgMgAAAAAAAAAAAAABAAAAf39/AAEAAABkAAAAAAAAABQAAABAHwAAAAAAACYAAAAAAAAAwOD//wAAAAAmAAAAZAAAABYAAABMAAAAAAAAAAAAAAAEAAAAAAAAAAEAAACAgIAKAAAAACgAAAAoAAAAZAAAAGQAAAAAAAAAzMzMAAAAAABQAAAAUAAAAGQAAABkAAAAAAAAABcAAAAUAAAAAAAAAAAAAAD/fwAA/38AAAAAAAAJAAAABAAAAAAAAAAMAAAAEAAAAAAAAAAAAAAAAAAAAAAAAAAeAAAAaAAAAAAAAAAAAAAAAAAAAAAAAAAAAAAAECcAABAnAAAAAAAAAAAAAAAAAAAAAAAAAAAAAAAAAAAAAAAAAAAAABQAAAAAAAAAwMD/AAAAAABkAAAAMgAAAAAAAABkAAAAAAAAAH9/fwAKAAAAHwAAAFQAAABJ1kkA////AQAAAAAAAAAAAAAAAAAAAAAAAAAAAAAAAAAAAAAAAAAAHH0cAH9/fwCAgIADzMzMAMDA/wB/f38AAAAAAAAAAAAAAAAAAAAAAAAAAAAhAAAAGAAAABQAAAC1IAAA0CQAAHkiAACOJgAAEAAAACYAAAAIAAAA//////////8="/>
+                <pr:smNativeData xmlns:pr="smNativeData" val="SMDATA_13_gcGAXRMAAAAlAAAAZAAAAA8BAAAAkAAAAEgAAACQAAAASAAAAAAAAAAAAAAAAAAAAAEAAABQAAAAAAAAAAAA4D8AAAAAAADgPwAAAAAAAOA/AAAAAAAA4D8AAAAAAADgPwAAAAAAAOA/AAAAAAAA4D8AAAAAAADgPwAAAAAAAOA/AAAAAAAA4D8CAAAAjAAAAAEAAAAAAAAASdZJAP///wgAAAAAAAAAAAAAAAAAAAAAAAAAAAAAAAAAAAAAZAAAAAEAAABAAAAAAAAAAAAAAAAAAAAAAAAAAAAAAAAAAAAAAAAAAAAAAAAAAAAAAAAAAAAAAAAAAAAAAAAAAAAAAAAAAAAAAAAAAAAAAAAAAAAAAAAAAAAAAAAAAAAAFAAAADwAAAABAAAAAAAAABx9HAAoAAAAAQAAAAIAAAAAAAAAAAAAAAAAAAAAAAAAZAAAAGQAAAAAAAAAZAAAAGQAAAAVAAAAYAAAAAAAAAAAAAAADwAAACADAAAAAAAAAAAAAAEAAACgMgAAAAAAAAAAAAABAAAAf39/AAEAAABkAAAAAAAAABQAAABAHwAAAAAAACYAAAAAAAAAwOD//wAAAAAmAAAAZAAAABYAAABMAAAAAAAAAAAAAAAEAAAAAAAAAAEAAACAgIAKAAAAACgAAAAoAAAAZAAAAGQAAAAAAAAAzMzMAAAAAABQAAAAUAAAAGQAAABkAAAAAAAAABcAAAAUAAAAAAAAAAAAAAD/fwAA/38AAAAAAAAJAAAABAAAAAAAAAAMAAAAEAAAAAAAAAAAAAAAAAAAAAAAAAAeAAAAaAAAAAAAAAAAAAAAAAAAAAAAAAAAAAAAECcAABAnAAAAAAAAAAAAAAAAAAAAAAAAAAAAAAAAAAAAAAAAAAAAABQAAAAAAAAAwMD/AAAAAABkAAAAMgAAAAAAAABkAAAAAAAAAH9/fwAKAAAAHwAAAFQAAABJ1kkA////AQAAAAAAAAAAAAAAAAAAAAAAAAAAAAAAAAAAAAAAAAAAHH0cAH9/fwCAgIADzMzMAMDA/wB/f38AAAAAAAAAAAAAAAAAAAAAAAAAAAAhAAAAGAAAABQAAAC1IAAA0CQAAHkiAACOJgAAEAAAACYAAAAIAAAA//////////8="/>
               </a:ext>
             </a:extLst>
           </p:cNvSpPr>
@@ -13459,7 +13459,7 @@
           <p:cNvSpPr>
             <a:extLst>
               <a:ext uri="smNativeData">
-                <pr:smNativeData xmlns:pr="smNativeData" val="SMDATA_13_IrKAXRMAAAAlAAAAyAAAAA8BAAAAkAAAAEgAAACQAAAASAAAAAAAAAAAAAAAAAAAAAEAAABQAAAAAIIphXg83z8IPYQeQg/RPwAAAAAAAOA/AAAAAAAA4D8AAAAAAADgPwAAAAAAAOA/AAAAAAAA4D8AAAAAAADgPwAAAAAAAOA/AAAAAAAA4D8CAAAAjAAAAAEAAAAAAAAAHH0cAP///wgAAAAAAAAAAAAAAAAAAAAAAAAAAAAAAAAAAAAAZAAAAAEAAABAAAAAAAAAAAAAAAAAAAAAAAAAAAAAAAAAAAAAAAAAAAAAAAAAAAAAAAAAAAAAAAAAAAAAAAAAAAAAAAAAAAAAAAAAAAAAAAAAAAAAAAAAAAAAAAAAAAAAFAAAADwAAAAAAAAAAAAAAAAAAAkAAAAAAQAAAAAAAAAAAAAAAAAAAAAAAAAAAAAAZAAAAGQAAAAAAAAAZAAAAGQAAAAVAAAAYAAAAAAAAAAAAAAADwAAACADAAAAAAAAAAAAAAEAAACgMgAAAAAAAAAAAAABAAAAf39/AAEAAABkAAAAAAAAABQAAABAHwAAAAAAACYAAAAAAAAAwOD//wAAAAAmAAAAZAAAABYAAABMAAAAAAAAAAAAAAAEAAAAAAAAAAEAAACAgIAKAAAAACgAAAAoAAAAZAAAAGQAAAAAAAAAzMzMAAAAAABQAAAAUAAAAGQAAABkAAAAAAAAABcAAAAUAAAAAAAAAAAAAAD/fwAA/38AAAAAAAAJAAAABAAAAAAAAAAMAAAAEAAAAAAAAAAAAAAAAAAAAAAAAAAeAAAAaAAAAAAAAAAAAAAAAAAAAAAAAAAAAAAAECcAABAnAAAAAAAAAAAAAAAAAAAAAAAAAAAAAAAAAAAAAAAAAAAAABQAAAAAAAAAwMD/AAAAAABkAAAAMgAAAAAAAABkAAAAAAAAAH9/fwAKAAAAHwAAAFQAAAAcfRwA////AQAAAAAAAAAAAAAAAAAAAAAAAAAAAAAAAAAAAAAAAAAAAAAAAn9/fwCAgIADzMzMAMDA/wB/f38AAAAAAAAAAAAAAAAAAAAAAAAAAAAhAAAAGAAAABQAAADjIQAALiUAABgkAABeJgAAEAAAACYAAAAIAAAA//////////8="/>
+                <pr:smNativeData xmlns:pr="smNativeData" val="SMDATA_13_gcGAXRMAAAAlAAAAyAAAAA8BAAAAkAAAAEgAAACQAAAASAAAAAAAAAAAAAAAAAAAAAEAAABQAAAAAIIphXg83z8IPYQeQg/RPwAAAAAAAOA/AAAAAAAA4D8AAAAAAADgPwAAAAAAAOA/AAAAAAAA4D8AAAAAAADgPwAAAAAAAOA/AAAAAAAA4D8CAAAAjAAAAAEAAAAAAAAAHH0cAP///wgAAAAAAAAAAAAAAAAAAAAAAAAAAAAAAAAAAAAAZAAAAAEAAABAAAAAAAAAAAAAAAAAAAAAAAAAAAAAAAAAAAAAAAAAAAAAAAAAAAAAAAAAAAAAAAAAAAAAAAAAAAAAAAAAAAAAAAAAAAAAAAAAAAAAAAAAAAAAAAAAAAAAFAAAADwAAAAAAAAAAAAAAAAAAAkAAAAAAQAAAAAAAAAAAAAAAAAAAAAAAAAAAAAAZAAAAGQAAAAAAAAAZAAAAGQAAAAVAAAAYAAAAAAAAAAAAAAADwAAACADAAAAAAAAAAAAAAEAAACgMgAAAAAAAAAAAAABAAAAf39/AAEAAABkAAAAAAAAABQAAABAHwAAAAAAACYAAAAAAAAAwOD//wAAAAAmAAAAZAAAABYAAABMAAAAAAAAAAAAAAAEAAAAAAAAAAEAAACAgIAKAAAAACgAAAAoAAAAZAAAAGQAAAAAAAAAzMzMAAAAAABQAAAAUAAAAGQAAABkAAAAAAAAABcAAAAUAAAAAAAAAAAAAAD/fwAA/38AAAAAAAAJAAAABAAAAAAAAAAMAAAAEAAAAAAAAAAAAAAAAAAAAAAAAAAeAAAAaAAAAAAAAAAAAAAAAAAAAAAAAAAAAAAAECcAABAnAAAAAAAAAAAAAAAAAAAAAAAAAAAAAAAAAAAAAAAAAAAAABQAAAAAAAAAwMD/AAAAAABkAAAAMgAAAAAAAABkAAAAAAAAAH9/fwAKAAAAHwAAAFQAAAAcfRwA////AQAAAAAAAAAAAAAAAAAAAAAAAAAAAAAAAAAAAAAAAAAAAAAAAn9/fwCAgIADzMzMAMDA/wB/f38AAAAAAAAAAAAAAAAAAAAAAAAAAAAhAAAAGAAAABQAAADjIQAALiUAABgkAABeJgAAEAAAACYAAAAIAAAA//////////8="/>
               </a:ext>
             </a:extLst>
           </p:cNvSpPr>
@@ -13491,7 +13491,7 @@
           <p:cNvSpPr txBox="1">
             <a:extLst>
               <a:ext uri="smNativeData">
-                <pr:smNativeData xmlns:pr="smNativeData" val="SMDATA_13_IrKAXRMAAAAlAAAAEgAAAE8BAAAAkAAAAEgAAACQAAAASAAAAAAAAAAAAAAAAAAAAAEAAABQAAAAAAAAAAAA4D8AAAAAAADgPwAAAAAAAOA/AAAAAAAA4D8AAAAAAADgPwAAAAAAAOA/AAAAAAAA4D8AAAAAAADgPwAAAAAAAOA/AAAAAAAA4D8CAAAAjAAAAAAAAAAAAAAAu+DjDP///wgAAAAAAAAAAAAAAAAAAAAAAAAAAAAAAAAAAAAAZAAAAAEAAABAAAAAAAAAAAAAAAAAAAAAAAAAAAAAAAAAAAAAAAAAAAAAAAAAAAAAAAAAAAAAAAAAAAAAAAAAAAAAAAAAAAAAAAAAAAAAAAAAAAAAAAAAAAAAAAAAAAAAFAAAADwAAAAAAAAAAAAAAAAAAAkUAAAAAQAAABQAAAAUAAAAFAAAAAEAAAAAAAAAZAAAAGQAAAAAAAAAZAAAAGQAAAAVAAAAYAAAAAAAAAAAAAAADwAAACADAAAAAAAAAAAAAAEAAACgMgAAVgcAAKr4//8BAAAAf39/AAEAAABkAAAAAAAAABQAAABAHwAAAAAAACYAAAAAAAAAwOD//wAAAAAmAAAAZAAAABYAAABMAAAAAAAAAAAAAAAEAAAAAAAAAAEAAACAgIAKAAAAACgAAAAoAAAAZAAAAGQAAAAAAAAAzMzMAAAAAABQAAAAUAAAAGQAAABkAAAAAAAAABcAAAAUAAAAAAAAANwIAAD/fwAA/38AAAAAAAAJAAAABAAAAAAAAAAMAAAAEAAAAAAAAAAAAAAAAAAAAAAAAAAeAAAAaAAAAAAAAAAAAAAAAAAAAAAAAAAAAAAAECcAABAnAAAAAAAAAAAAAAAAAAAAAAAAAAAAAAAAAAAAAAAAAAAAABQAAAAAAAAAwMD/AAAAAABkAAAAMgAAAAAAAABkAAAAAAAAAH9/fwAKAAAAHwAAAFQAAAC74OMF////AQAAAAAAAAAAAAAAAAAAAAAAAAAAAAAAAAAAAAAAAAAAAAAAAn9/fwCAgIADzMzMAMDA/wB/f38AAAAAAAAAAAAAAAAAAAAAAAAAAAAhAAAAGAAAABQAAAADJAAAoyQAAN8sAADjJgAAECAAACYAAAAIAAAA//////////8="/>
+                <pr:smNativeData xmlns:pr="smNativeData" val="SMDATA_13_gcGAXRMAAAAlAAAAEgAAAE8BAAAAkAAAAEgAAACQAAAASAAAAAAAAAAAAAAAAAAAAAEAAABQAAAAAAAAAAAA4D8AAAAAAADgPwAAAAAAAOA/AAAAAAAA4D8AAAAAAADgPwAAAAAAAOA/AAAAAAAA4D8AAAAAAADgPwAAAAAAAOA/AAAAAAAA4D8CAAAAjAAAAAAAAAAAAAAAu+DjDP///wgAAAAAAAAAAAAAAAAAAAAAAAAAAAAAAAAAAAAAZAAAAAEAAABAAAAAAAAAAAAAAAAAAAAAAAAAAAAAAAAAAAAAAAAAAAAAAAAAAAAAAAAAAAAAAAAAAAAAAAAAAAAAAAAAAAAAAAAAAAAAAAAAAAAAAAAAAAAAAAAAAAAAFAAAADwAAAAAAAAAAAAAAAAAAAkUAAAAAQAAABQAAAAUAAAAFAAAAAEAAAAAAAAAZAAAAGQAAAAAAAAAZAAAAGQAAAAVAAAAYAAAAAAAAAAAAAAADwAAACADAAAAAAAAAAAAAAEAAACgMgAAVgcAAKr4//8BAAAAf39/AAEAAABkAAAAAAAAABQAAABAHwAAAAAAACYAAAAAAAAAwOD//wAAAAAmAAAAZAAAABYAAABMAAAAAAAAAAAAAAAEAAAAAAAAAAEAAACAgIAKAAAAACgAAAAoAAAAZAAAAGQAAAAAAAAAzMzMAAAAAABQAAAAUAAAAGQAAABkAAAAAAAAABcAAAAUAAAAAAAAANwIAAD/fwAA/38AAAAAAAAJAAAABAAAAAAAAAAMAAAAEAAAAAAAAAAAAAAAAAAAAAAAAAAeAAAAaAAAAAAAAAAAAAAAAAAAAAAAAAAAAAAAECcAABAnAAAAAAAAAAAAAAAAAAAAAAAAAAAAAAAAAAAAAAAAAAAAABQAAAAAAAAAwMD/AAAAAABkAAAAMgAAAAAAAABkAAAAAAAAAH9/fwAKAAAAHwAAAFQAAAC74OMF////AQAAAAAAAAAAAAAAAAAAAAAAAAAAAAAAAAAAAAAAAAAAAAAAAn9/fwCAgIADzMzMAMDA/wB/f38AAAAAAAAAAAAAAAAAAAAAAAAAAAAhAAAAGAAAABQAAAADJAAAoyQAAN8sAADjJgAAECAAACYAAAAIAAAA//////////8="/>
               </a:ext>
             </a:extLst>
           </p:cNvSpPr>
@@ -13537,14 +13537,14 @@
           <p:cNvSpPr txBox="1">
             <a:extLst>
               <a:ext uri="smNativeData">
-                <pr:smNativeData xmlns:pr="smNativeData" val="SMDATA_13_IrKAXRMAAAAlAAAAEgAAAE8BAAAAkAAAAEgAAACQAAAASAAAAAAAAAAAAAAAAAAAAAEAAABQAAAAAAAAAAAA4D8AAAAAAADgPwAAAAAAAOA/AAAAAAAA4D8AAAAAAADgPwAAAAAAAOA/AAAAAAAA4D8AAAAAAADgPwAAAAAAAOA/AAAAAAAA4D8CAAAAjAAAAAAAAAAAAAAAu+DjDP///wgAAAAAAAAAAAAAAAAAAAAAAAAAAAAAAAAAAAAAZAAAAAEAAABAAAAAAAAAAAAAAAAAAAAAAAAAAAAAAAAAAAAAAAAAAAAAAAAAAAAAAAAAAAAAAAAAAAAAAAAAAAAAAAAAAAAAAAAAAAAAAAAAAAAAAAAAAAAAAAAAAAAAFAAAADwAAAAAAAAAAAAAAAAAAAkUAAAAAQAAABQAAAAUAAAAFAAAAAEAAAAAAAAAZAAAAGQAAAAAAAAAZAAAAGQAAAAVAAAAYAAAAAAAAAAAAAAADwAAACADAAAAAAAAAAAAAAEAAACgMgAAVgcAAKr4//8BAAAAf39/AAEAAABkAAAAAAAAABQAAABAHwAAAAAAACYAAAAAAAAAwOD//wAAAAAmAAAAZAAAABYAAABMAAAAAAAAAAAAAAAEAAAAAAAAAAEAAACAgIAKAAAAACgAAAAoAAAAZAAAAGQAAAAAAAAAzMzMAAAAAABQAAAAUAAAAGQAAABkAAAAAAAAABcAAAAUAAAAAAAAANwIAAD/fwAA/38AAAAAAAAJAAAABAAAAAAAAAAMAAAAEAAAAAAAAAAAAAAAAAAAAAAAAAAeAAAAaAAAAAAAAAAAAAAAAAAAAAAAAAAAAAAAECcAABAnAAAAAAAAAAAAAAAAAAAAAAAAAAAAAAAAAAAAAAAAAAAAABQAAAAAAAAAwMD/AAAAAABkAAAAMgAAAAAAAABkAAAAAAAAAH9/fwAKAAAAHwAAAFQAAAC74OMF////AQAAAAAAAAAAAAAAAAAAAAAAAAAAAAAAAAAAAAAAAAAAAAAAAn9/fwCAgIADzMzMAMDA/wB/f38AAAAAAAAAAAAAAAAAAAAAAAAAAAAhAAAAGAAAABQAAACNBwAANh0AAB0LAAASJgAAECAAACYAAAAIAAAA//////////8="/>
-              </a:ext>
-            </a:extLst>
-          </p:cNvSpPr>
-          <p:nvPr/>
-        </p:nvSpPr>
-        <p:spPr>
-          <a:xfrm rot="16216752">
+                <pr:smNativeData xmlns:pr="smNativeData" val="SMDATA_13_gcGAXRMAAAAlAAAAEgAAAE8BAAAAkAAAAEgAAACQAAAASAAAAAAAAAAAAAAAAAAAAAEAAABQAAAAAAAAAAAA4D8AAAAAAADgPwAAAAAAAOA/AAAAAAAA4D8AAAAAAADgPwAAAAAAAOA/AAAAAAAA4D8AAAAAAADgPwAAAAAAAOA/AAAAAAAA4D8CAAAAjAAAAAAAAAAAAAAAu+DjDP///wgAAAAAAAAAAAAAAAAAAAAAAAAAAAAAAAAAAAAAZAAAAAEAAABAAAAAAAAAAAAAAAAAAAAAAAAAAAAAAAAAAAAAAAAAAAAAAAAAAAAAAAAAAAAAAAAAAAAAAAAAAAAAAAAAAAAAAAAAAAAAAAAAAAAAAAAAAAAAAAAAAAAAFAAAADwAAAAAAAAAAAAAAAAAAAkUAAAAAQAAABQAAAAUAAAAFAAAAAEAAAAAAAAAZAAAAGQAAAAAAAAAZAAAAGQAAAAVAAAAYAAAAAAAAAAAAAAADwAAACADAAAAAAAAAAAAAAEAAACgMgAAVgcAAKr4//8BAAAAf39/AAEAAABkAAAAAAAAABQAAABAHwAAAAAAACYAAAAAAAAAwOD//wAAAAAmAAAAZAAAABYAAABMAAAAAAAAAAAAAAAEAAAAAAAAAAEAAACAgIAKAAAAACgAAAAoAAAAZAAAAGQAAAAAAAAAzMzMAAAAAABQAAAAUAAAAGQAAABkAAAAAAAAABcAAAAUAAAAAAAAANwIAAD/fwAA/38AAAAAAAAJAAAABAAAAAAAAAAMAAAAEAAAAAAAAAAAAAAAAAAAAAAAAAAeAAAAaAAAAAAAAAAAAAAAAAAAAAAAAAAAAAAAECcAABAnAAAAAAAAAAAAAAAAAAAAAAAAAAAAAAAAAAAAAAAAAAAAABQAAAAAAAAAwMD/AAAAAABkAAAAMgAAAAAAAABkAAAAAAAAAH9/fwAKAAAAHwAAAFQAAAC74OMF////AQAAAAAAAAAAAAAAAAAAAAAAAAAAAAAAAAAAAAAAAAAAAAAAAn9/fwCAgIADzMzMAMDA/wB/f38AAAAAAAAAAAAAAAAAAAAAAAAAAAAhAAAAGAAAABQAAACNBwAANh0AAB0LAAASJgAAECAAACYAAAAIAAAA//////////8="/>
+              </a:ext>
+            </a:extLst>
+          </p:cNvSpPr>
+          <p:nvPr/>
+        </p:nvSpPr>
+        <p:spPr>
+          <a:xfrm rot="16216751">
             <a:off x="796925" y="5179060"/>
             <a:ext cx="1440180" cy="579120"/>
           </a:xfrm>
@@ -13585,14 +13585,14 @@
           <p:cNvSpPr txBox="1">
             <a:extLst>
               <a:ext uri="smNativeData">
-                <pr:smNativeData xmlns:pr="smNativeData" val="SMDATA_13_IrKAXRMAAAAlAAAAEgAAAE8BAAAAkAAAAEgAAACQAAAASAAAAAAAAAAAAAAAAAAAAAEAAABQAAAAAAAAAAAA4D8AAAAAAADgPwAAAAAAAOA/AAAAAAAA4D8AAAAAAADgPwAAAAAAAOA/AAAAAAAA4D8AAAAAAADgPwAAAAAAAOA/AAAAAAAA4D8CAAAAjAAAAAAAAAAAAAAAu+DjDP///wgAAAAAAAAAAAAAAAAAAAAAAAAAAAAAAAAAAAAAZAAAAAEAAABAAAAAAAAAAAAAAAAAAAAAAAAAAAAAAAAAAAAAAAAAAAAAAAAAAAAAAAAAAAAAAAAAAAAAAAAAAAAAAAAAAAAAAAAAAAAAAAAAAAAAAAAAAAAAAAAAAAAAFAAAADwAAAAAAAAAAAAAAAAAAAkUAAAAAQAAABQAAAAUAAAAFAAAAAEAAAAAAAAAZAAAAGQAAAAAAAAAZAAAAGQAAAAVAAAAYAAAAAAAAAAAAAAADwAAACADAAAAAAAAAAAAAAEAAACgMgAAVgcAAKr4//8BAAAAf39/AAEAAABkAAAAAAAAABQAAABAHwAAAAAAACYAAAAAAAAAwOD//wAAAAAmAAAAZAAAABYAAABMAAAAAAAAAAAAAAAEAAAAAAAAAAEAAACAgIAKAAAAACgAAAAoAAAAZAAAAGQAAAAAAAAAzMzMAAAAAABQAAAAUAAAAGQAAABkAAAAAAAAABcAAAAUAAAAAAAAANwIAAD/fwAA/38AAAAAAAAJAAAABAAAAAAAAAAMAAAAEAAAAAAAAAAAAAAAAAAAAAAAAAAeAAAAaAAAAAAAAAAAAAAAAAAAAAAAAAAAAAAAECcAABAnAAAAAAAAAAAAAAAAAAAAAAAAAAAAAAAAAAAAAAAAAAAAABQAAAAAAAAAwMD/AAAAAABkAAAAMgAAAAAAAABkAAAAAAAAAH9/fwAKAAAAHwAAAFQAAAC74OMF////AQAAAAAAAAAAAAAAAAAAAAAAAAAAAAAAAAAAAAAAAAAAAAAAAn9/fwCAgIADzMzMAMDA/wB/f38AAAAAAAAAAAAAAAAAAAAAAAAAAAAhAAAAGAAAABQAAACnBwAAQxMAADcLAAAfHAAAECAAACYAAAAIAAAA//////////8="/>
-              </a:ext>
-            </a:extLst>
-          </p:cNvSpPr>
-          <p:nvPr/>
-        </p:nvSpPr>
-        <p:spPr>
-          <a:xfrm rot="16171285">
+                <pr:smNativeData xmlns:pr="smNativeData" val="SMDATA_13_gcGAXRMAAAAlAAAAEgAAAE8BAAAAkAAAAEgAAACQAAAASAAAAAAAAAAAAAAAAAAAAAEAAABQAAAAAAAAAAAA4D8AAAAAAADgPwAAAAAAAOA/AAAAAAAA4D8AAAAAAADgPwAAAAAAAOA/AAAAAAAA4D8AAAAAAADgPwAAAAAAAOA/AAAAAAAA4D8CAAAAjAAAAAAAAAAAAAAAu+DjDP///wgAAAAAAAAAAAAAAAAAAAAAAAAAAAAAAAAAAAAAZAAAAAEAAABAAAAAAAAAAAAAAAAAAAAAAAAAAAAAAAAAAAAAAAAAAAAAAAAAAAAAAAAAAAAAAAAAAAAAAAAAAAAAAAAAAAAAAAAAAAAAAAAAAAAAAAAAAAAAAAAAAAAAFAAAADwAAAAAAAAAAAAAAAAAAAkUAAAAAQAAABQAAAAUAAAAFAAAAAEAAAAAAAAAZAAAAGQAAAAAAAAAZAAAAGQAAAAVAAAAYAAAAAAAAAAAAAAADwAAACADAAAAAAAAAAAAAAEAAACgMgAAVgcAAKr4//8BAAAAf39/AAEAAABkAAAAAAAAABQAAABAHwAAAAAAACYAAAAAAAAAwOD//wAAAAAmAAAAZAAAABYAAABMAAAAAAAAAAAAAAAEAAAAAAAAAAEAAACAgIAKAAAAACgAAAAoAAAAZAAAAGQAAAAAAAAAzMzMAAAAAABQAAAAUAAAAGQAAABkAAAAAAAAABcAAAAUAAAAAAAAANwIAAD/fwAA/38AAAAAAAAJAAAABAAAAAAAAAAMAAAAEAAAAAAAAAAAAAAAAAAAAAAAAAAeAAAAaAAAAAAAAAAAAAAAAAAAAAAAAAAAAAAAECcAABAnAAAAAAAAAAAAAAAAAAAAAAAAAAAAAAAAAAAAAAAAAAAAABQAAAAAAAAAwMD/AAAAAABkAAAAMgAAAAAAAABkAAAAAAAAAH9/fwAKAAAAHwAAAFQAAAC74OMF////AQAAAAAAAAAAAAAAAAAAAAAAAAAAAAAAAAAAAAAAAAAAAAAAAn9/fwCAgIADzMzMAMDA/wB/f38AAAAAAAAAAAAAAAAAAAAAAAAAAAAhAAAAGAAAABQAAACnBwAAQxMAADcLAAAfHAAAECAAACYAAAAIAAAA//////////8="/>
+              </a:ext>
+            </a:extLst>
+          </p:cNvSpPr>
+          <p:nvPr/>
+        </p:nvSpPr>
+        <p:spPr>
+          <a:xfrm rot="16171284">
             <a:off x="813435" y="3561715"/>
             <a:ext cx="1440180" cy="579120"/>
           </a:xfrm>
@@ -13633,7 +13633,7 @@
           <p:cNvSpPr>
             <a:extLst>
               <a:ext uri="smNativeData">
-                <pr:smNativeData xmlns:pr="smNativeData" val="SMDATA_13_IrKAXRMAAAAlAAAAZAAAAA8BAAAAkAAAAEgAAACQAAAASAAAAAAAAAAAAAAAAAAAAAEAAABQAAAAAAAAAAAA4D8AAAAAAADgPwAAAAAAAOA/AAAAAAAA4D8AAAAAAADgPwAAAAAAAOA/AAAAAAAA4D8AAAAAAADgPwAAAAAAAOA/AAAAAAAA4D8CAAAAjAAAAAEAAAAAAAAAHh4eAP///wgAAAAAAAAAAAAAAAAAAAAAAAAAAAAAAAAAAAAAZAAAAAEAAABAAAAAAAAAAAAAAAAAAAAAAAAAAAAAAAAAAAAAAAAAAAAAAAAAAAAAAAAAAAAAAAAAAAAAAAAAAAAAAAAAAAAAAAAAAAAAAAAAAAAAAAAAAAAAAAAAAAAAFAAAADwAAAAAAAAAAAAAAAAAAAkAAAAAAQAAAAAAAAAAAAAAAAAAAAAAAAAAAAAAZAAAAGQAAAAAAAAAZAAAAGQAAAAVAAAAYAAAAAAAAAAAAAAADwAAACADAAAAAAAAAAAAAAEAAACgMgAAAAAAAAAAAAABAAAAf39/AAEAAABkAAAAAAAAABQAAABAHwAAAAAAACYAAAAAAAAAwOD//wAAAAAmAAAAZAAAABYAAABMAAAAAAAAAAAAAAAEAAAAAAAAAAEAAACAgIAKAAAAACgAAAAoAAAAZAAAAGQAAAAAAAAAzMzMAAAAAABQAAAAUAAAAGQAAABkAAAAAAAAABcAAAAUAAAAAAAAAAAAAAD/fwAA/38AAAAAAAAJAAAABAAAAHlsZT4MAAAAEAAAAAAAAAAAAAAAAAAAAAAAAAAeAAAAaAAAAAAAAAAAAAAAAAAAAAAAAAAAAAAAECcAABAnAAAAAAAAAAAAAAAAAAAAAAAAAAAAAAAAAAAAAAAAAAAAABQAAAAAAAAAwMD/AAAAAABkAAAAMgAAAAAAAABkAAAAAAAAAH9/fwAKAAAAHwAAAFQAAAAeHh4A////AQAAAAAAAAAAAAAAAAAAAAAAAAAAAAAAAAAAAAAAAAAAAAAAAn9/fwCAgIADzMzMAMDA/wB/f38AAAAAAAAAAAAAAAAAAAAAAAAAAAAhAAAAGAAAABQAAAAAAAAAZQcAAEA4AAC4CAAAEAAAACYAAAAIAAAA//////////8="/>
+                <pr:smNativeData xmlns:pr="smNativeData" val="SMDATA_13_gcGAXRMAAAAlAAAAZAAAAA8BAAAAkAAAAEgAAACQAAAASAAAAAAAAAAAAAAAAAAAAAEAAABQAAAAAAAAAAAA4D8AAAAAAADgPwAAAAAAAOA/AAAAAAAA4D8AAAAAAADgPwAAAAAAAOA/AAAAAAAA4D8AAAAAAADgPwAAAAAAAOA/AAAAAAAA4D8CAAAAjAAAAAEAAAAAAAAAHh4eAP///wgAAAAAAAAAAAAAAAAAAAAAAAAAAAAAAAAAAAAAZAAAAAEAAABAAAAAAAAAAAAAAAAAAAAAAAAAAAAAAAAAAAAAAAAAAAAAAAAAAAAAAAAAAAAAAAAAAAAAAAAAAAAAAAAAAAAAAAAAAAAAAAAAAAAAAAAAAAAAAAAAAAAAFAAAADwAAAAAAAAAAAAAAAAAAAkAAAAAAQAAAAAAAAAAAAAAAAAAAAAAAAAAAAAAZAAAAGQAAAAAAAAAZAAAAGQAAAAVAAAAYAAAAAAAAAAAAAAADwAAACADAAAAAAAAAAAAAAEAAACgMgAAAAAAAAAAAAABAAAAf39/AAEAAABkAAAAAAAAABQAAABAHwAAAAAAACYAAAAAAAAAwOD//wAAAAAmAAAAZAAAABYAAABMAAAAAAAAAAAAAAAEAAAAAAAAAAEAAACAgIAKAAAAACgAAAAoAAAAZAAAAGQAAAAAAAAAzMzMAAAAAABQAAAAUAAAAGQAAABkAAAAAAAAABcAAAAUAAAAAAAAAAAAAAD/fwAA/38AAAAAAAAJAAAABAAAAHlsZT4MAAAAEAAAAAAAAAAAAAAAAAAAAAAAAAAeAAAAaAAAAAAAAAAAAAAAAAAAAAAAAAAAAAAAECcAABAnAAAAAAAAAAAAAAAAAAAAAAAAAAAAAAAAAAAAAAAAAAAAABQAAAAAAAAAwMD/AAAAAABkAAAAMgAAAAAAAABkAAAAAAAAAH9/fwAKAAAAHwAAAFQAAAAeHh4A////AQAAAAAAAAAAAAAAAAAAAAAAAAAAAAAAAAAAAAAAAAAAAAAAAn9/fwCAgIADzMzMAMDA/wB/f38AAAAAAAAAAAAAAAAAAAAAAAAAAAAhAAAAGAAAABQAAAAAAAAAZQcAAEA4AAC4CAAAEAAAACYAAAAIAAAA//////////8="/>
               </a:ext>
             </a:extLst>
           </p:cNvSpPr>
@@ -13702,7 +13702,7 @@
           <p:cNvSpPr>
             <a:extLst>
               <a:ext uri="smNativeData">
-                <pr:smNativeData xmlns:pr="smNativeData" val="SMDATA_13_IrKAXRMAAAAlAAAAZAAAAA8BAAAAkAAAAEgAAACQAAAASAAAAAAAAAABAAAAAAAAAAEAAABQAAAAAAAAAAAA4D8AAAAAAADgPwAAAAAAAOA/AAAAAAAA4D8AAAAAAADgPwAAAAAAAOA/AAAAAAAA4D8AAAAAAADgPwAAAAAAAOA/AAAAAAAA4D8CAAAAjAAAAAAAAAAAAAAAu+DjDP///wgAAAAAAAAAAAAAAAAAAAAAAAAAAAAAAAAAAAAAZAAAAAEAAABAAAAAAAAAAAAAAAAAAAAAAAAAAAAAAAAAAAAAAAAAAAAAAAAAAAAAAAAAAAAAAAAAAAAAAAAAAAAAAAAAAAAAAAAAAAAAAAAAAAAAAAAAAAAAAAAAAAAAFAAAADwAAAAAAAAAAAAAAAAAAAkUAAAAAQAAABQAAAAUAAAAFAAAAAEAAAAAAAAAZAAAAGQAAAAAAAAAZAAAAGQAAAAVAAAAYAAAAAAAAAAAAAAADwAAACADAAAAAAAAAAAAAAEAAACgMgAAVgcAAKr4//8BAAAAf39/AAEAAABkAAAAAAAAABQAAABAHwAAAAAAACYAAAAAAAAAwOD//wAAAAAmAAAAZAAAABYAAABMAAAAAAAAAAAAAAAEAAAAAAAAAAEAAACAgIAKAAAAACgAAAAoAAAAZAAAAGQAAAAAAAAAzMzMAAAAAABQAAAAUAAAAGQAAABkAAAAAAAAABcAAAAUAAAAAAAAAAAAAAD/fwAA/38AAAAAAAAJAAAABAAAAEUXAAAMAAAAEAAAAAAAAAAAAAAAAAAAAAAAAAAeAAAAaAAAAAAAAAAAAAAAAAAAAAAAAAAAAAAAECcAABAnAAAAAAAAAAAAAAAAAAAAAAAAAAAAAAAAAAAAAAAAAAAAABQAAAAAAAAAwMD/AAAAAABkAAAAMgAAAAAAAABkAAAAAAAAAH9/fwAKAAAAHwAAAFQAAAC74OMF////AQAAAAAAAAAAAAAAAAAAAAAAAAAAAAAAAAAAAAAAAAAAAAAAAn9/fwCAgIADzMzMAMDA/wB/f38AAAAAAAAAAAAAAAAAAAAAAAAAAAAhAAAAGAAAABQAAABqBAAAiAMAABY0AAAoBwAAEAAAACYAAAAIAAAA//////////8="/>
+                <pr:smNativeData xmlns:pr="smNativeData" val="SMDATA_13_gcGAXRMAAAAlAAAAZAAAAA8BAAAAkAAAAEgAAACQAAAASAAAAAAAAAABAAAAAAAAAAEAAABQAAAAAAAAAAAA4D8AAAAAAADgPwAAAAAAAOA/AAAAAAAA4D8AAAAAAADgPwAAAAAAAOA/AAAAAAAA4D8AAAAAAADgPwAAAAAAAOA/AAAAAAAA4D8CAAAAjAAAAAAAAAAAAAAAu+DjDP///wgAAAAAAAAAAAAAAAAAAAAAAAAAAAAAAAAAAAAAZAAAAAEAAABAAAAAAAAAAAAAAAAAAAAAAAAAAAAAAAAAAAAAAAAAAAAAAAAAAAAAAAAAAAAAAAAAAAAAAAAAAAAAAAAAAAAAAAAAAAAAAAAAAAAAAAAAAAAAAAAAAAAAFAAAADwAAAAAAAAAAAAAAAAAAAkUAAAAAQAAABQAAAAUAAAAFAAAAAEAAAAAAAAAZAAAAGQAAAAAAAAAZAAAAGQAAAAVAAAAYAAAAAAAAAAAAAAADwAAACADAAAAAAAAAAAAAAEAAACgMgAAVgcAAKr4//8BAAAAf39/AAEAAABkAAAAAAAAABQAAABAHwAAAAAAACYAAAAAAAAAwOD//wAAAAAmAAAAZAAAABYAAABMAAAAAAAAAAAAAAAEAAAAAAAAAAEAAACAgIAKAAAAACgAAAAoAAAAZAAAAGQAAAAAAAAAzMzMAAAAAABQAAAAUAAAAGQAAABkAAAAAAAAABcAAAAUAAAAAAAAAAAAAAD/fwAA/38AAAAAAAAJAAAABAAAAEUXAAAMAAAAEAAAAAAAAAAAAAAAAAAAAAAAAAAeAAAAaAAAAAAAAAAAAAAAAAAAAAAAAAAAAAAAECcAABAnAAAAAAAAAAAAAAAAAAAAAAAAAAAAAAAAAAAAAAAAAAAAABQAAAAAAAAAwMD/AAAAAABkAAAAMgAAAAAAAABkAAAAAAAAAH9/fwAKAAAAHwAAAFQAAAC74OMF////AQAAAAAAAAAAAAAAAAAAAAAAAAAAAAAAAAAAAAAAAAAAAAAAAn9/fwCAgIADzMzMAMDA/wB/f38AAAAAAAAAAAAAAAAAAAAAAAAAAAAhAAAAGAAAABQAAABqBAAAiAMAABY0AAAoBwAAEAAAACYAAAAIAAAA//////////8="/>
               </a:ext>
             </a:extLst>
           </p:cNvSpPr>
@@ -13748,7 +13748,7 @@
           <p:cNvSpPr txBox="1">
             <a:extLst>
               <a:ext uri="smNativeData">
-                <pr:smNativeData xmlns:pr="smNativeData" val="SMDATA_13_IrKAXRMAAAAlAAAAEgAAAA8BAAAAkAAAAEgAAACQAAAASAAAAAAAAAAAAAAAAAAAAAEAAABQAAAAAAAAAAAA4D8AAAAAAADgPwAAAAAAAOA/AAAAAAAA4D8AAAAAAADgPwAAAAAAAOA/AAAAAAAA4D8AAAAAAADgPwAAAAAAAOA/AAAAAAAA4D8CAAAAjAAAAAAAAAAAAAAAu+DjDP///wgAAAAAAAAAAAAAAAAAAAAAAAAAAAAAAAAAAAAAZAAAAAEAAABAAAAAAAAAAAAAAAAAAAAAAAAAAAAAAAAAAAAAAAAAAAAAAAAAAAAAAAAAAAAAAAAAAAAAAAAAAAAAAAAAAAAAAAAAAAAAAAAAAAAAAAAAAAAAAAAAAAAAFAAAADwAAAAAAAAAAAAAAAAAAAkUAAAAAQAAABQAAAAUAAAAFAAAAAEAAAAAAAAAZAAAAGQAAAAAAAAAZAAAAGQAAAAVAAAAYAAAAAAAAAAAAAAADwAAACADAAAAAAAAAAAAAAEAAACgMgAAVgcAAKr4//8BAAAAf39/AAEAAABkAAAAAAAAABQAAABAHwAAAAAAACYAAAAAAAAAwOD//wAAAAAmAAAAZAAAABYAAABMAAAAAAAAAAAAAAAEAAAAAAAAAAEAAACAgIAKAAAAACgAAAAoAAAAZAAAAGQAAAAAAAAAzMzMAAAAAABQAAAAUAAAAGQAAABkAAAAAAAAABcAAAAUAAAAAAAAANwIAAD/fwAA/38AAAAAAAAJAAAABAAAAON4AAAMAAAAEAAAAAAAAAAAAAAAAAAAAAAAAAAeAAAAaAAAAAAAAAAAAAAAAAAAAAAAAAAAAAAAECcAABAnAAAAAAAAAAAAAAAAAAAAAAAAAAAAAAAAAAAAAAAAAAAAABQAAAAAAAAAwMD/AAAAAABkAAAAMgAAAAAAAABkAAAAAAAAAH9/fwAKAAAAHwAAAFQAAAC74OMF////AQAAAAAAAAAAAAAAAAAAAAAAAAAAAAAAAAAAAAAAAAAAAAAAAn9/fwCAgIADzMzMAMDA/wB/f38AAAAAAAAAAAAAAAAAAAAAAAAAAAAhAAAAGAAAABQAAABqBAAAzQgAABY0AAAbIQAAEAAAACYAAAAIAAAA//////////8="/>
+                <pr:smNativeData xmlns:pr="smNativeData" val="SMDATA_13_gcGAXRMAAAAlAAAAEgAAAA8BAAAAkAAAAEgAAACQAAAASAAAAAAAAAAAAAAAAAAAAAEAAABQAAAAAAAAAAAA4D8AAAAAAADgPwAAAAAAAOA/AAAAAAAA4D8AAAAAAADgPwAAAAAAAOA/AAAAAAAA4D8AAAAAAADgPwAAAAAAAOA/AAAAAAAA4D8CAAAAjAAAAAAAAAAAAAAAu+DjDP///wgAAAAAAAAAAAAAAAAAAAAAAAAAAAAAAAAAAAAAZAAAAAEAAABAAAAAAAAAAAAAAAAAAAAAAAAAAAAAAAAAAAAAAAAAAAAAAAAAAAAAAAAAAAAAAAAAAAAAAAAAAAAAAAAAAAAAAAAAAAAAAAAAAAAAAAAAAAAAAAAAAAAAFAAAADwAAAAAAAAAAAAAAAAAAAkUAAAAAQAAABQAAAAUAAAAFAAAAAEAAAAAAAAAZAAAAGQAAAAAAAAAZAAAAGQAAAAVAAAAYAAAAAAAAAAAAAAADwAAACADAAAAAAAAAAAAAAEAAACgMgAAVgcAAKr4//8BAAAAf39/AAEAAABkAAAAAAAAABQAAABAHwAAAAAAACYAAAAAAAAAwOD//wAAAAAmAAAAZAAAABYAAABMAAAAAAAAAAAAAAAEAAAAAAAAAAEAAACAgIAKAAAAACgAAAAoAAAAZAAAAGQAAAAAAAAAzMzMAAAAAABQAAAAUAAAAGQAAABkAAAAAAAAABcAAAAUAAAAAAAAANwIAAD/fwAA/38AAAAAAAAJAAAABAAAAON4AAAMAAAAEAAAAAAAAAAAAAAAAAAAAAAAAAAeAAAAaAAAAAAAAAAAAAAAAAAAAAAAAAAAAAAAECcAABAnAAAAAAAAAAAAAAAAAAAAAAAAAAAAAAAAAAAAAAAAAAAAABQAAAAAAAAAwMD/AAAAAABkAAAAMgAAAAAAAABkAAAAAAAAAH9/fwAKAAAAHwAAAFQAAAC74OMF////AQAAAAAAAAAAAAAAAAAAAAAAAAAAAAAAAAAAAAAAAAAAAAAAAn9/fwCAgIADzMzMAMDA/wB/f38AAAAAAAAAAAAAAAAAAAAAAAAAAAAhAAAAGAAAABQAAABqBAAAzQgAABY0AAAbIQAAEAAAACYAAAAIAAAA//////////8="/>
               </a:ext>
             </a:extLst>
           </p:cNvSpPr>
@@ -13944,7 +13944,7 @@
           <p:cNvSpPr>
             <a:extLst>
               <a:ext uri="smNativeData">
-                <pr:smNativeData xmlns:pr="smNativeData" val="SMDATA_13_IrKAXRMAAAAlAAAAZAAAAA8BAAAAkAAAAEgAAACQAAAASAAAAAAAAAAAAAAAAAAAAAEAAABQAAAAAAAAAAAA4D8AAAAAAADgPwAAAAAAAOA/AAAAAAAA4D8AAAAAAADgPwAAAAAAAOA/AAAAAAAA4D8AAAAAAADgPwAAAAAAAOA/AAAAAAAA4D8CAAAAjAAAAAEAAAAAAAAAHh4eAP///wgAAAAAAAAAAAAAAAAAAAAAAAAAAAAAAAAAAAAAZAAAAAEAAABAAAAAAAAAAAAAAAAAAAAAAAAAAAAAAAAAAAAAAAAAAAAAAAAAAAAAAAAAAAAAAAAAAAAAAAAAAAAAAAAAAAAAAAAAAAAAAAAAAAAAAAAAAAAAAAAAAAAAFAAAADwAAAAAAAAAAAAAAAAAAAkAAAAAAQAAAAAAAAAAAAAAAAAAAAAAAAAAAAAAZAAAAGQAAAAAAAAAZAAAAGQAAAAVAAAAYAAAAAAAAAAAAAAADwAAACADAAAAAAAAAAAAAAEAAACgMgAAAAAAAAAAAAABAAAAf39/AAEAAABkAAAAAAAAABQAAABAHwAAAAAAACYAAAAAAAAAwOD//wAAAAAmAAAAZAAAABYAAABMAAAAAAAAAAAAAAAEAAAAAAAAAAEAAACAgIAKAAAAACgAAAAoAAAAZAAAAGQAAAAAAAAAzMzMAAAAAABQAAAAUAAAAGQAAABkAAAAAAAAABcAAAAUAAAAAAAAAAAAAAD/fwAA/38AAAAAAAAJAAAABAAAAEMCAAAMAAAAEAAAAAAAAAAAAAAAAAAAAAAAAAAeAAAAaAAAAAAAAAAAAAAAAAAAAAAAAAAAAAAAECcAABAnAAAAAAAAAAAAAAAAAAAAAAAAAAAAAAAAAAAAAAAAAAAAABQAAAAAAAAAwMD/AAAAAABkAAAAMgAAAAAAAABkAAAAAAAAAH9/fwAKAAAAHwAAAFQAAAAeHh4A////AQAAAAAAAAAAAAAAAAAAAAAAAAAAAAAAAAAAAAAAAAAAAAAAAn9/fwCAgIADzMzMAMDA/wB/f38AAAAAAAAAAAAAAAAAAAAAAAAAAAAhAAAAGAAAABQAAAAAAAAAZQcAAEA4AAC4CAAAEAAAACYAAAAIAAAA//////////8="/>
+                <pr:smNativeData xmlns:pr="smNativeData" val="SMDATA_13_gcGAXRMAAAAlAAAAZAAAAA8BAAAAkAAAAEgAAACQAAAASAAAAAAAAAAAAAAAAAAAAAEAAABQAAAAAAAAAAAA4D8AAAAAAADgPwAAAAAAAOA/AAAAAAAA4D8AAAAAAADgPwAAAAAAAOA/AAAAAAAA4D8AAAAAAADgPwAAAAAAAOA/AAAAAAAA4D8CAAAAjAAAAAEAAAAAAAAAHh4eAP///wgAAAAAAAAAAAAAAAAAAAAAAAAAAAAAAAAAAAAAZAAAAAEAAABAAAAAAAAAAAAAAAAAAAAAAAAAAAAAAAAAAAAAAAAAAAAAAAAAAAAAAAAAAAAAAAAAAAAAAAAAAAAAAAAAAAAAAAAAAAAAAAAAAAAAAAAAAAAAAAAAAAAAFAAAADwAAAAAAAAAAAAAAAAAAAkAAAAAAQAAAAAAAAAAAAAAAAAAAAAAAAAAAAAAZAAAAGQAAAAAAAAAZAAAAGQAAAAVAAAAYAAAAAAAAAAAAAAADwAAACADAAAAAAAAAAAAAAEAAACgMgAAAAAAAAAAAAABAAAAf39/AAEAAABkAAAAAAAAABQAAABAHwAAAAAAACYAAAAAAAAAwOD//wAAAAAmAAAAZAAAABYAAABMAAAAAAAAAAAAAAAEAAAAAAAAAAEAAACAgIAKAAAAACgAAAAoAAAAZAAAAGQAAAAAAAAAzMzMAAAAAABQAAAAUAAAAGQAAABkAAAAAAAAABcAAAAUAAAAAAAAAAAAAAD/fwAA/38AAAAAAAAJAAAABAAAAEMCAAAMAAAAEAAAAAAAAAAAAAAAAAAAAAAAAAAeAAAAaAAAAAAAAAAAAAAAAAAAAAAAAAAAAAAAECcAABAnAAAAAAAAAAAAAAAAAAAAAAAAAAAAAAAAAAAAAAAAAAAAABQAAAAAAAAAwMD/AAAAAABkAAAAMgAAAAAAAABkAAAAAAAAAH9/fwAKAAAAHwAAAFQAAAAeHh4A////AQAAAAAAAAAAAAAAAAAAAAAAAAAAAAAAAAAAAAAAAAAAAAAAAn9/fwCAgIADzMzMAMDA/wB/f38AAAAAAAAAAAAAAAAAAAAAAAAAAAAhAAAAGAAAABQAAAAAAAAAZQcAAEA4AAC4CAAAEAAAACYAAAAIAAAA//////////8="/>
               </a:ext>
             </a:extLst>
           </p:cNvSpPr>
@@ -14013,7 +14013,7 @@
           <p:cNvSpPr>
             <a:extLst>
               <a:ext uri="smNativeData">
-                <pr:smNativeData xmlns:pr="smNativeData" val="SMDATA_13_IrKAXRMAAAAlAAAAZAAAAA8BAAAAkAAAAEgAAACQAAAASAAAAAAAAAABAAAAAAAAAAEAAABQAAAAAAAAAAAA4D8AAAAAAADgPwAAAAAAAOA/AAAAAAAA4D8AAAAAAADgPwAAAAAAAOA/AAAAAAAA4D8AAAAAAADgPwAAAAAAAOA/AAAAAAAA4D8CAAAAjAAAAAAAAAAAAAAAu+DjDP///wgAAAAAAAAAAAAAAAAAAAAAAAAAAAAAAAAAAAAAZAAAAAEAAABAAAAAAAAAAAAAAAAAAAAAAAAAAAAAAAAAAAAAAAAAAAAAAAAAAAAAAAAAAAAAAAAAAAAAAAAAAAAAAAAAAAAAAAAAAAAAAAAAAAAAAAAAAAAAAAAAAAAAFAAAADwAAAAAAAAAAAAAAAAAAAkUAAAAAQAAABQAAAAUAAAAFAAAAAEAAAAAAAAAZAAAAGQAAAAAAAAAZAAAAGQAAAAVAAAAYAAAAAAAAAAAAAAADwAAACADAAAAAAAAAAAAAAEAAACgMgAAVgcAAKr4//8BAAAAf39/AAEAAABkAAAAAAAAABQAAABAHwAAAAAAACYAAAAAAAAAwOD//wAAAAAmAAAAZAAAABYAAABMAAAAAAAAAAAAAAAEAAAAAAAAAAEAAACAgIAKAAAAACgAAAAoAAAAZAAAAGQAAAAAAAAAzMzMAAAAAABQAAAAUAAAAGQAAABkAAAAAAAAABcAAAAUAAAAAAAAAAAAAAD/fwAA/38AAAAAAAAJAAAABAAAAAAAAAAMAAAAEAAAAAAAAAAAAAAAAAAAAAAAAAAeAAAAaAAAAAAAAAAAAAAAAAAAAAAAAAAAAAAAECcAABAnAAAAAAAAAAAAAAAAAAAAAAAAAAAAAAAAAAAAAAAAAAAAABQAAAAAAAAAwMD/AAAAAABkAAAAMgAAAAAAAABkAAAAAAAAAH9/fwAKAAAAHwAAAFQAAAC74OMF////AQAAAAAAAAAAAAAAAAAAAAAAAAAAAAAAAAAAAAAAAAAAAAAAAn9/fwCAgIADzMzMAMDA/wB/f38AAAAAAAAAAAAAAAAAAAAAAAAAAAAhAAAAGAAAABQAAABqBAAAiAMAABY0AAAoBwAAEAAAACYAAAAIAAAA//////////8="/>
+                <pr:smNativeData xmlns:pr="smNativeData" val="SMDATA_13_gcGAXRMAAAAlAAAAZAAAAA8BAAAAkAAAAEgAAACQAAAASAAAAAAAAAABAAAAAAAAAAEAAABQAAAAAAAAAAAA4D8AAAAAAADgPwAAAAAAAOA/AAAAAAAA4D8AAAAAAADgPwAAAAAAAOA/AAAAAAAA4D8AAAAAAADgPwAAAAAAAOA/AAAAAAAA4D8CAAAAjAAAAAAAAAAAAAAAu+DjDP///wgAAAAAAAAAAAAAAAAAAAAAAAAAAAAAAAAAAAAAZAAAAAEAAABAAAAAAAAAAAAAAAAAAAAAAAAAAAAAAAAAAAAAAAAAAAAAAAAAAAAAAAAAAAAAAAAAAAAAAAAAAAAAAAAAAAAAAAAAAAAAAAAAAAAAAAAAAAAAAAAAAAAAFAAAADwAAAAAAAAAAAAAAAAAAAkUAAAAAQAAABQAAAAUAAAAFAAAAAEAAAAAAAAAZAAAAGQAAAAAAAAAZAAAAGQAAAAVAAAAYAAAAAAAAAAAAAAADwAAACADAAAAAAAAAAAAAAEAAACgMgAAVgcAAKr4//8BAAAAf39/AAEAAABkAAAAAAAAABQAAABAHwAAAAAAACYAAAAAAAAAwOD//wAAAAAmAAAAZAAAABYAAABMAAAAAAAAAAAAAAAEAAAAAAAAAAEAAACAgIAKAAAAACgAAAAoAAAAZAAAAGQAAAAAAAAAzMzMAAAAAABQAAAAUAAAAGQAAABkAAAAAAAAABcAAAAUAAAAAAAAAAAAAAD/fwAA/38AAAAAAAAJAAAABAAAAAAAAAAMAAAAEAAAAAAAAAAAAAAAAAAAAAAAAAAeAAAAaAAAAAAAAAAAAAAAAAAAAAAAAAAAAAAAECcAABAnAAAAAAAAAAAAAAAAAAAAAAAAAAAAAAAAAAAAAAAAAAAAABQAAAAAAAAAwMD/AAAAAABkAAAAMgAAAAAAAABkAAAAAAAAAH9/fwAKAAAAHwAAAFQAAAC74OMF////AQAAAAAAAAAAAAAAAAAAAAAAAAAAAAAAAAAAAAAAAAAAAAAAAn9/fwCAgIADzMzMAMDA/wB/f38AAAAAAAAAAAAAAAAAAAAAAAAAAAAhAAAAGAAAABQAAABqBAAAiAMAABY0AAAoBwAAEAAAACYAAAAIAAAA//////////8="/>
               </a:ext>
             </a:extLst>
           </p:cNvSpPr>
@@ -14059,7 +14059,7 @@
           <p:cNvSpPr txBox="1">
             <a:extLst>
               <a:ext uri="smNativeData">
-                <pr:smNativeData xmlns:pr="smNativeData" val="SMDATA_13_IrKAXRMAAAAlAAAAEgAAAA8BAAAAkAAAAEgAAACQAAAASAAAAAAAAAAAAAAAAAAAAAEAAABQAAAAAAAAAAAA4D8AAAAAAADgPwAAAAAAAOA/AAAAAAAA4D8AAAAAAADgPwAAAAAAAOA/AAAAAAAA4D8AAAAAAADgPwAAAAAAAOA/AAAAAAAA4D8CAAAAjAAAAAAAAAAAAAAAu+DjDP///wgAAAAAAAAAAAAAAAAAAAAAAAAAAAAAAAAAAAAAZAAAAAEAAABAAAAAAAAAAAAAAAAAAAAAAAAAAAAAAAAAAAAAAAAAAAAAAAAAAAAAAAAAAAAAAAAAAAAAAAAAAAAAAAAAAAAAAAAAAAAAAAAAAAAAAAAAAAAAAAAAAAAAFAAAADwAAAAAAAAAAAAAAAAAAAkUAAAAAQAAABQAAAAUAAAAFAAAAAEAAAAAAAAAZAAAAGQAAAAAAAAAZAAAAGQAAAAVAAAAYAAAAAAAAAAAAAAADwAAACADAAAAAAAAAAAAAAEAAACgMgAAVgcAAKr4//8BAAAAf39/AAEAAABkAAAAAAAAABQAAABAHwAAAAAAACYAAAAAAAAAwOD//wAAAAAmAAAAZAAAABYAAABMAAAAAAAAAAAAAAAEAAAAAAAAAAEAAACAgIAKAAAAACgAAAAoAAAAZAAAAGQAAAAAAAAAzMzMAAAAAABQAAAAUAAAAGQAAABkAAAAAAAAABcAAAAUAAAAAAAAANwIAAD/fwAA/38AAAAAAAAJAAAABAAAADAYIQIMAAAAEAAAAAAAAAAAAAAAAAAAAAAAAAAeAAAAaAAAAAAAAAAAAAAAAAAAAAAAAAAAAAAAECcAABAnAAAAAAAAAAAAAAAAAAAAAAAAAAAAAAAAAAAAAAAAAAAAABQAAAAAAAAAwMD/AAAAAABkAAAAMgAAAAAAAABkAAAAAAAAAH9/fwAKAAAAHwAAAFQAAAC74OMF////AQAAAAAAAAAAAAAAAAAAAAAAAAAAAAAAAAAAAAAAAAAAAAAAAn9/fwCAgIADzMzMAMDA/wB/f38AAAAAAAAAAAAAAAAAAAAAAAAAAAAhAAAAGAAAABQAAABqBAAAzQgAABY0AAAbIQAAEAAAACYAAAAIAAAA//////////8="/>
+                <pr:smNativeData xmlns:pr="smNativeData" val="SMDATA_13_gcGAXRMAAAAlAAAAEgAAAA8BAAAAkAAAAEgAAACQAAAASAAAAAAAAAAAAAAAAAAAAAEAAABQAAAAAAAAAAAA4D8AAAAAAADgPwAAAAAAAOA/AAAAAAAA4D8AAAAAAADgPwAAAAAAAOA/AAAAAAAA4D8AAAAAAADgPwAAAAAAAOA/AAAAAAAA4D8CAAAAjAAAAAAAAAAAAAAAu+DjDP///wgAAAAAAAAAAAAAAAAAAAAAAAAAAAAAAAAAAAAAZAAAAAEAAABAAAAAAAAAAAAAAAAAAAAAAAAAAAAAAAAAAAAAAAAAAAAAAAAAAAAAAAAAAAAAAAAAAAAAAAAAAAAAAAAAAAAAAAAAAAAAAAAAAAAAAAAAAAAAAAAAAAAAFAAAADwAAAAAAAAAAAAAAAAAAAkUAAAAAQAAABQAAAAUAAAAFAAAAAEAAAAAAAAAZAAAAGQAAAAAAAAAZAAAAGQAAAAVAAAAYAAAAAAAAAAAAAAADwAAACADAAAAAAAAAAAAAAEAAACgMgAAVgcAAKr4//8BAAAAf39/AAEAAABkAAAAAAAAABQAAABAHwAAAAAAACYAAAAAAAAAwOD//wAAAAAmAAAAZAAAABYAAABMAAAAAAAAAAAAAAAEAAAAAAAAAAEAAACAgIAKAAAAACgAAAAoAAAAZAAAAGQAAAAAAAAAzMzMAAAAAABQAAAAUAAAAGQAAABkAAAAAAAAABcAAAAUAAAAAAAAANwIAAD/fwAA/38AAAAAAAAJAAAABAAAADAYIQIMAAAAEAAAAAAAAAAAAAAAAAAAAAAAAAAeAAAAaAAAAAAAAAAAAAAAAAAAAAAAAAAAAAAAECcAABAnAAAAAAAAAAAAAAAAAAAAAAAAAAAAAAAAAAAAAAAAAAAAABQAAAAAAAAAwMD/AAAAAABkAAAAMgAAAAAAAABkAAAAAAAAAH9/fwAKAAAAHwAAAFQAAAC74OMF////AQAAAAAAAAAAAAAAAAAAAAAAAAAAAAAAAAAAAAAAAAAAAAAAAn9/fwCAgIADzMzMAMDA/wB/f38AAAAAAAAAAAAAAAAAAAAAAAAAAAAhAAAAGAAAABQAAABqBAAAzQgAABY0AAAbIQAAEAAAACYAAAAIAAAA//////////8="/>
               </a:ext>
             </a:extLst>
           </p:cNvSpPr>
@@ -14154,7 +14154,7 @@
           <p:cNvSpPr>
             <a:extLst>
               <a:ext uri="smNativeData">
-                <pr:smNativeData xmlns:pr="smNativeData" val="SMDATA_13_IrKAXRMAAAAlAAAAZAAAAA8BAAAAkAAAAEgAAACQAAAASAAAAAAAAAAAAAAAAAAAAAEAAABQAAAAAAAAAAAA4D8AAAAAAADgPwAAAAAAAOA/AAAAAAAA4D8AAAAAAADgPwAAAAAAAOA/AAAAAAAA4D8AAAAAAADgPwAAAAAAAOA/AAAAAAAA4D8CAAAAjAAAAAEAAAAAAAAAHh4eAP///wgAAAAAAAAAAAAAAAAAAAAAAAAAAAAAAAAAAAAAZAAAAAEAAABAAAAAAAAAAAAAAAAAAAAAAAAAAAAAAAAAAAAAAAAAAAAAAAAAAAAAAAAAAAAAAAAAAAAAAAAAAAAAAAAAAAAAAAAAAAAAAAAAAAAAAAAAAAAAAAAAAAAAFAAAADwAAAAAAAAAAAAAAAAAAAkAAAAAAQAAAAAAAAAAAAAAAAAAAAAAAAAAAAAAZAAAAGQAAAAAAAAAZAAAAGQAAAAVAAAAYAAAAAAAAAAAAAAADwAAACADAAAAAAAAAAAAAAEAAACgMgAAAAAAAAAAAAABAAAAf39/AAEAAABkAAAAAAAAABQAAABAHwAAAAAAACYAAAAAAAAAwOD//wAAAAAmAAAAZAAAABYAAABMAAAAAAAAAAAAAAAEAAAAAAAAAAEAAACAgIAKAAAAACgAAAAoAAAAZAAAAGQAAAAAAAAAzMzMAAAAAABQAAAAUAAAAGQAAABkAAAAAAAAABcAAAAUAAAAAAAAAAAAAAD/fwAA/38AAAAAAAAJAAAABAAAADAYIQIMAAAAEAAAAAAAAAAAAAAAAAAAAAAAAAAeAAAAaAAAAAAAAAAAAAAAAAAAAAAAAAAAAAAAECcAABAnAAAAAAAAAAAAAAAAAAAAAAAAAAAAAAAAAAAAAAAAAAAAABQAAAAAAAAAwMD/AAAAAABkAAAAMgAAAAAAAABkAAAAAAAAAH9/fwAKAAAAHwAAAFQAAAAeHh4A////AQAAAAAAAAAAAAAAAAAAAAAAAAAAAAAAAAAAAAAAAAAAAAAAAn9/fwCAgIADzMzMAMDA/wB/f38AAAAAAAAAAAAAAAAAAAAAAAAAAAAhAAAAGAAAABQAAAAAAAAAZQcAAEA4AAC4CAAAEAAAACYAAAAIAAAA//////////8="/>
+                <pr:smNativeData xmlns:pr="smNativeData" val="SMDATA_13_gcGAXRMAAAAlAAAAZAAAAA8BAAAAkAAAAEgAAACQAAAASAAAAAAAAAAAAAAAAAAAAAEAAABQAAAAAAAAAAAA4D8AAAAAAADgPwAAAAAAAOA/AAAAAAAA4D8AAAAAAADgPwAAAAAAAOA/AAAAAAAA4D8AAAAAAADgPwAAAAAAAOA/AAAAAAAA4D8CAAAAjAAAAAEAAAAAAAAAHh4eAP///wgAAAAAAAAAAAAAAAAAAAAAAAAAAAAAAAAAAAAAZAAAAAEAAABAAAAAAAAAAAAAAAAAAAAAAAAAAAAAAAAAAAAAAAAAAAAAAAAAAAAAAAAAAAAAAAAAAAAAAAAAAAAAAAAAAAAAAAAAAAAAAAAAAAAAAAAAAAAAAAAAAAAAFAAAADwAAAAAAAAAAAAAAAAAAAkAAAAAAQAAAAAAAAAAAAAAAAAAAAAAAAAAAAAAZAAAAGQAAAAAAAAAZAAAAGQAAAAVAAAAYAAAAAAAAAAAAAAADwAAACADAAAAAAAAAAAAAAEAAACgMgAAAAAAAAAAAAABAAAAf39/AAEAAABkAAAAAAAAABQAAABAHwAAAAAAACYAAAAAAAAAwOD//wAAAAAmAAAAZAAAABYAAABMAAAAAAAAAAAAAAAEAAAAAAAAAAEAAACAgIAKAAAAACgAAAAoAAAAZAAAAGQAAAAAAAAAzMzMAAAAAABQAAAAUAAAAGQAAABkAAAAAAAAABcAAAAUAAAAAAAAAAAAAAD/fwAA/38AAAAAAAAJAAAABAAAADAYIQIMAAAAEAAAAAAAAAAAAAAAAAAAAAAAAAAeAAAAaAAAAAAAAAAAAAAAAAAAAAAAAAAAAAAAECcAABAnAAAAAAAAAAAAAAAAAAAAAAAAAAAAAAAAAAAAAAAAAAAAABQAAAAAAAAAwMD/AAAAAABkAAAAMgAAAAAAAABkAAAAAAAAAH9/fwAKAAAAHwAAAFQAAAAeHh4A////AQAAAAAAAAAAAAAAAAAAAAAAAAAAAAAAAAAAAAAAAAAAAAAAAn9/fwCAgIADzMzMAMDA/wB/f38AAAAAAAAAAAAAAAAAAAAAAAAAAAAhAAAAGAAAABQAAAAAAAAAZQcAAEA4AAC4CAAAEAAAACYAAAAIAAAA//////////8="/>
               </a:ext>
             </a:extLst>
           </p:cNvSpPr>
@@ -14184,7 +14184,7 @@
             <a:picLocks noChangeAspect="1"/>
             <a:extLst>
               <a:ext uri="smNativeData">
-                <pr:smNativeData xmlns:pr="smNativeData" val="SMDATA_15_IrKAXRMAAAAlAAAAEQAAAC0AAAAAkAAAAEgAAACQAAAASAAAAAAAAAAAAAAAAAAAAAEAAABQAAAAAAAAAAAA4D8AAAAAAADgPwAAAAAAAOA/AAAAAAAA4D8AAAAAAADgPwAAAAAAAOA/AAAAAAAA4D8AAAAAAADgPwAAAAAAAOA/AAAAAAAA4D8CAAAAjAAAAAAAAAAAAAAAu+DjDP///wgAAAAAAAAAAAAAAAAAAAAAAAAAAAAAAAAAAAAAZAAAAAEAAABAAAAAAAAAAAAAAAAAAAAAAAAAAAAAAAAAAAAAAAAAAAAAAAAAAAAAAAAAAAAAAAAAAAAAAAAAAAAAAAAAAAAAAAAAAAAAAAAAAAAAAAAAAAAAAAAAAAAAFAAAADwAAAAAAAAAAAAAAAAAAAkUAAAAAQAAABQAAAAUAAAAFAAAAAEAAAAAAAAAZAAAAGQAAAAAAAAAZAAAAGQAAAAVAAAAYAAAAAAAAAAAAAAADwAAACADAAAAAAAAAAAAAAEAAACgMgAAVgcAAKr4//8BAAAAf39/AAEAAABkAAAAAAAAABQAAABAHwAAAAAAACYAAAAAAAAAwOD//wAAAAAmAAAAZAAAABYAAABMAAAAAAAAAAAAAAAEAAAAAAAAAAEAAACAgIAKAAAAACgAAAAoAAAAZAAAAGQAAAAAAAAAzMzMAAAAAABQAAAAUAAAAGQAAABkAAAAAAAAAAcAAAA4AAAAAAAAAAAAAAAAAAAA////AAAAAAAAAAAAAAAAAAAAAAAAAAAAAAAAAAAAAABkAAAAZAAAAAAAAAAjAAAABAAAAGQAAAAXAAAAFAAAAAAAAAAAAAAA/38AAP9/AAAAAAAACQAAAAQAAAACAP3/DAAAABAAAAAAAAAAAAAAAAAAAAAAAAAAHgAAAGgAAAAAAAAAAAAAAAAAAAAAAAAAAAAAABAnAAAQJwAAAAAAAAAAAAAAAAAAAAAAAAAAAAAAAAAAAAAAAAAAAAAUAAAAAAAAAMDA/wAAAAAAZAAAADIAAAAAAAAAZAAAAAAAAAB/f38ACgAAAB8AAABUAAAAu+DjBf///wEAAAAAAAAAAAAAAAAAAAAAAAAAAAAAAAAAAAAAAAAAAAAAAAJ/f38AgICAA8zMzADAwP8Af39/AAAAAAAAAAAAAAAAAP///wAAAAAAIQAAABgAAAAUAAAA6wsAAMMWAACQKgAAUyoAABAAAAAmAAAACAAAAP//////////"/>
+                <pr:smNativeData xmlns:pr="smNativeData" val="SMDATA_15_gcGAXRMAAAAlAAAAEQAAAC0AAAAAkAAAAEgAAACQAAAASAAAAAAAAAAAAAAAAAAAAAEAAABQAAAAAAAAAAAA4D8AAAAAAADgPwAAAAAAAOA/AAAAAAAA4D8AAAAAAADgPwAAAAAAAOA/AAAAAAAA4D8AAAAAAADgPwAAAAAAAOA/AAAAAAAA4D8CAAAAjAAAAAAAAAAAAAAAu+DjDP///wgAAAAAAAAAAAAAAAAAAAAAAAAAAAAAAAAAAAAAZAAAAAEAAABAAAAAAAAAAAAAAAAAAAAAAAAAAAAAAAAAAAAAAAAAAAAAAAAAAAAAAAAAAAAAAAAAAAAAAAAAAAAAAAAAAAAAAAAAAAAAAAAAAAAAAAAAAAAAAAAAAAAAFAAAADwAAAAAAAAAAAAAAAAAAAkUAAAAAQAAABQAAAAUAAAAFAAAAAEAAAAAAAAAZAAAAGQAAAAAAAAAZAAAAGQAAAAVAAAAYAAAAAAAAAAAAAAADwAAACADAAAAAAAAAAAAAAEAAACgMgAAVgcAAKr4//8BAAAAf39/AAEAAABkAAAAAAAAABQAAABAHwAAAAAAACYAAAAAAAAAwOD//wAAAAAmAAAAZAAAABYAAABMAAAAAAAAAAAAAAAEAAAAAAAAAAEAAACAgIAKAAAAACgAAAAoAAAAZAAAAGQAAAAAAAAAzMzMAAAAAABQAAAAUAAAAGQAAABkAAAAAAAAAAcAAAA4AAAAAAAAAAAAAAAAAAAA////AAAAAAAAAAAAAAAAAAAAAAAAAAAAAAAAAAAAAABkAAAAZAAAAAAAAAAjAAAABAAAAGQAAAAXAAAAFAAAAAAAAAAAAAAA/38AAP9/AAAAAAAACQAAAAQAAAACAP3/DAAAABAAAAAAAAAAAAAAAAAAAAAAAAAAHgAAAGgAAAAAAAAAAAAAAAAAAAAAAAAAAAAAABAnAAAQJwAAAAAAAAAAAAAAAAAAAAAAAAAAAAAAAAAAAAAAAAAAAAAUAAAAAAAAAMDA/wAAAAAAZAAAADIAAAAAAAAAZAAAAAAAAAB/f38ACgAAAB8AAABUAAAAu+DjBf///wEAAAAAAAAAAAAAAAAAAAAAAAAAAAAAAAAAAAAAAAAAAAAAAAJ/f38AgICAA8zMzADAwP8Af39/AAAAAAAAAAAAAAAAAP///wAAAAAAIQAAABgAAAAUAAAA6wsAAMMWAACQKgAAUyoAABAAAAAmAAAACAAAAP//////////"/>
               </a:ext>
             </a:extLst>
           </p:cNvPicPr>
@@ -14257,7 +14257,7 @@
           <p:cNvSpPr>
             <a:extLst>
               <a:ext uri="smNativeData">
-                <pr:smNativeData xmlns:pr="smNativeData" val="SMDATA_13_IrKAXRMAAAAlAAAAZAAAAA8BAAAAkAAAAEgAAACQAAAASAAAAAAAAAABAAAAAAAAAAEAAABQAAAAAAAAAAAA4D8AAAAAAADgPwAAAAAAAOA/AAAAAAAA4D8AAAAAAADgPwAAAAAAAOA/AAAAAAAA4D8AAAAAAADgPwAAAAAAAOA/AAAAAAAA4D8CAAAAjAAAAAAAAAAAAAAAu+DjDP///wgAAAAAAAAAAAAAAAAAAAAAAAAAAAAAAAAAAAAAZAAAAAEAAABAAAAAAAAAAAAAAAAAAAAAAAAAAAAAAAAAAAAAAAAAAAAAAAAAAAAAAAAAAAAAAAAAAAAAAAAAAAAAAAAAAAAAAAAAAAAAAAAAAAAAAAAAAAAAAAAAAAAAFAAAADwAAAAAAAAAAAAAAAAAAAkUAAAAAQAAABQAAAAUAAAAFAAAAAEAAAAAAAAAZAAAAGQAAAAAAAAAZAAAAGQAAAAVAAAAYAAAAAAAAAAAAAAADwAAACADAAAAAAAAAAAAAAEAAACgMgAAVgcAAKr4//8BAAAAf39/AAEAAABkAAAAAAAAABQAAABAHwAAAAAAACYAAAAAAAAAwOD//wAAAAAmAAAAZAAAABYAAABMAAAAAAAAAAAAAAAEAAAAAAAAAAEAAACAgIAKAAAAACgAAAAoAAAAZAAAAGQAAAAAAAAAzMzMAAAAAABQAAAAUAAAAGQAAABkAAAAAAAAABcAAAAUAAAAAAAAAAAAAAD/fwAA/38AAAAAAAAJAAAABAAAAAAAAAAMAAAAEAAAAAAAAAAAAAAAAAAAAAAAAAAeAAAAaAAAAAAAAAAAAAAAAAAAAAAAAAAAAAAAECcAABAnAAAAAAAAAAAAAAAAAAAAAAAAAAAAAAAAAAAAAAAAAAAAABQAAAAAAAAAwMD/AAAAAABkAAAAMgAAAAAAAABkAAAAAAAAAH9/fwAKAAAAHwAAAFQAAAC74OMF////AQAAAAAAAAAAAAAAAAAAAAAAAAAAAAAAAAAAAAAAAAAAAAAAAn9/fwCAgIADzMzMAMDA/wB/f38AAAAAAAAAAAAAAAAAAAAAAAAAAAAhAAAAGAAAABQAAABqBAAAiAMAABY0AAAoBwAAEAAAACYAAAAIAAAA//////////8="/>
+                <pr:smNativeData xmlns:pr="smNativeData" val="SMDATA_13_gcGAXRMAAAAlAAAAZAAAAA8BAAAAkAAAAEgAAACQAAAASAAAAAAAAAABAAAAAAAAAAEAAABQAAAAAAAAAAAA4D8AAAAAAADgPwAAAAAAAOA/AAAAAAAA4D8AAAAAAADgPwAAAAAAAOA/AAAAAAAA4D8AAAAAAADgPwAAAAAAAOA/AAAAAAAA4D8CAAAAjAAAAAAAAAAAAAAAu+DjDP///wgAAAAAAAAAAAAAAAAAAAAAAAAAAAAAAAAAAAAAZAAAAAEAAABAAAAAAAAAAAAAAAAAAAAAAAAAAAAAAAAAAAAAAAAAAAAAAAAAAAAAAAAAAAAAAAAAAAAAAAAAAAAAAAAAAAAAAAAAAAAAAAAAAAAAAAAAAAAAAAAAAAAAFAAAADwAAAAAAAAAAAAAAAAAAAkUAAAAAQAAABQAAAAUAAAAFAAAAAEAAAAAAAAAZAAAAGQAAAAAAAAAZAAAAGQAAAAVAAAAYAAAAAAAAAAAAAAADwAAACADAAAAAAAAAAAAAAEAAACgMgAAVgcAAKr4//8BAAAAf39/AAEAAABkAAAAAAAAABQAAABAHwAAAAAAACYAAAAAAAAAwOD//wAAAAAmAAAAZAAAABYAAABMAAAAAAAAAAAAAAAEAAAAAAAAAAEAAACAgIAKAAAAACgAAAAoAAAAZAAAAGQAAAAAAAAAzMzMAAAAAABQAAAAUAAAAGQAAABkAAAAAAAAABcAAAAUAAAAAAAAAAAAAAD/fwAA/38AAAAAAAAJAAAABAAAAAAAAAAMAAAAEAAAAAAAAAAAAAAAAAAAAAAAAAAeAAAAaAAAAAAAAAAAAAAAAAAAAAAAAAAAAAAAECcAABAnAAAAAAAAAAAAAAAAAAAAAAAAAAAAAAAAAAAAAAAAAAAAABQAAAAAAAAAwMD/AAAAAABkAAAAMgAAAAAAAABkAAAAAAAAAH9/fwAKAAAAHwAAAFQAAAC74OMF////AQAAAAAAAAAAAAAAAAAAAAAAAAAAAAAAAAAAAAAAAAAAAAAAAn9/fwCAgIADzMzMAMDA/wB/f38AAAAAAAAAAAAAAAAAAAAAAAAAAAAhAAAAGAAAABQAAABqBAAAiAMAABY0AAAoBwAAEAAAACYAAAAIAAAA//////////8="/>
               </a:ext>
             </a:extLst>
           </p:cNvSpPr>
@@ -14303,7 +14303,7 @@
           <p:cNvSpPr txBox="1">
             <a:extLst>
               <a:ext uri="smNativeData">
-                <pr:smNativeData xmlns:pr="smNativeData" val="SMDATA_13_IrKAXRMAAAAlAAAAEgAAAA8BAAAAkAAAAEgAAACQAAAASAAAAAAAAAAAAAAAAAAAAAEAAABQAAAAAAAAAAAA4D8AAAAAAADgPwAAAAAAAOA/AAAAAAAA4D8AAAAAAADgPwAAAAAAAOA/AAAAAAAA4D8AAAAAAADgPwAAAAAAAOA/AAAAAAAA4D8CAAAAjAAAAAAAAAAAAAAAu+DjDP///wgAAAAAAAAAAAAAAAAAAAAAAAAAAAAAAAAAAAAAZAAAAAEAAABAAAAAAAAAAAAAAAAAAAAAAAAAAAAAAAAAAAAAAAAAAAAAAAAAAAAAAAAAAAAAAAAAAAAAAAAAAAAAAAAAAAAAAAAAAAAAAAAAAAAAAAAAAAAAAAAAAAAAFAAAADwAAAAAAAAAAAAAAAAAAAkUAAAAAQAAABQAAAAUAAAAFAAAAAEAAAAAAAAAZAAAAGQAAAAAAAAAZAAAAGQAAAAVAAAAYAAAAAAAAAAAAAAADwAAACADAAAAAAAAAAAAAAEAAACgMgAAVgcAAKr4//8BAAAAf39/AAEAAABkAAAAAAAAABQAAABAHwAAAAAAACYAAAAAAAAAwOD//wAAAAAmAAAAZAAAABYAAABMAAAAAAAAAAAAAAAEAAAAAAAAAAEAAACAgIAKAAAAACgAAAAoAAAAZAAAAGQAAAAAAAAAzMzMAAAAAABQAAAAUAAAAGQAAABkAAAAAAAAABcAAAAUAAAAAAAAANwIAAD/fwAA/38AAAAAAAAJAAAABAAAANra2v8MAAAAEAAAAAAAAAAAAAAAAAAAAAAAAAAeAAAAaAAAAAAAAAAAAAAAAAAAAAAAAAAAAAAAECcAABAnAAAAAAAAAAAAAAAAAAAAAAAAAAAAAAAAAAAAAAAAAAAAABQAAAAAAAAAwMD/AAAAAABkAAAAMgAAAAAAAABkAAAAAAAAAH9/fwAKAAAAHwAAAFQAAAC74OMF////AQAAAAAAAAAAAAAAAAAAAAAAAAAAAAAAAAAAAAAAAAAAAAAAAn9/fwCAgIADzMzMAMDA/wB/f38AAAAAAAAAAAAAAAAAAAAAAAAAAAAhAAAAGAAAABQAAABqBAAAzQgAABY0AAAbIQAAEAAAACYAAAAIAAAA//////////8="/>
+                <pr:smNativeData xmlns:pr="smNativeData" val="SMDATA_13_gcGAXRMAAAAlAAAAEgAAAA8BAAAAkAAAAEgAAACQAAAASAAAAAAAAAAAAAAAAAAAAAEAAABQAAAAAAAAAAAA4D8AAAAAAADgPwAAAAAAAOA/AAAAAAAA4D8AAAAAAADgPwAAAAAAAOA/AAAAAAAA4D8AAAAAAADgPwAAAAAAAOA/AAAAAAAA4D8CAAAAjAAAAAAAAAAAAAAAu+DjDP///wgAAAAAAAAAAAAAAAAAAAAAAAAAAAAAAAAAAAAAZAAAAAEAAABAAAAAAAAAAAAAAAAAAAAAAAAAAAAAAAAAAAAAAAAAAAAAAAAAAAAAAAAAAAAAAAAAAAAAAAAAAAAAAAAAAAAAAAAAAAAAAAAAAAAAAAAAAAAAAAAAAAAAFAAAADwAAAAAAAAAAAAAAAAAAAkUAAAAAQAAABQAAAAUAAAAFAAAAAEAAAAAAAAAZAAAAGQAAAAAAAAAZAAAAGQAAAAVAAAAYAAAAAAAAAAAAAAADwAAACADAAAAAAAAAAAAAAEAAACgMgAAVgcAAKr4//8BAAAAf39/AAEAAABkAAAAAAAAABQAAABAHwAAAAAAACYAAAAAAAAAwOD//wAAAAAmAAAAZAAAABYAAABMAAAAAAAAAAAAAAAEAAAAAAAAAAEAAACAgIAKAAAAACgAAAAoAAAAZAAAAGQAAAAAAAAAzMzMAAAAAABQAAAAUAAAAGQAAABkAAAAAAAAABcAAAAUAAAAAAAAANwIAAD/fwAA/38AAAAAAAAJAAAABAAAANra2v8MAAAAEAAAAAAAAAAAAAAAAAAAAAAAAAAeAAAAaAAAAAAAAAAAAAAAAAAAAAAAAAAAAAAAECcAABAnAAAAAAAAAAAAAAAAAAAAAAAAAAAAAAAAAAAAAAAAAAAAABQAAAAAAAAAwMD/AAAAAABkAAAAMgAAAAAAAABkAAAAAAAAAH9/fwAKAAAAHwAAAFQAAAC74OMF////AQAAAAAAAAAAAAAAAAAAAAAAAAAAAAAAAAAAAAAAAAAAAAAAAn9/fwCAgIADzMzMAMDA/wB/f38AAAAAAAAAAAAAAAAAAAAAAAAAAAAhAAAAGAAAABQAAABqBAAAzQgAABY0AAAbIQAAEAAAACYAAAAIAAAA//////////8="/>
               </a:ext>
             </a:extLst>
           </p:cNvSpPr>
@@ -14416,7 +14416,7 @@
           <p:cNvSpPr>
             <a:extLst>
               <a:ext uri="smNativeData">
-                <pr:smNativeData xmlns:pr="smNativeData" val="SMDATA_13_IrKAXRMAAAAlAAAAZAAAAA8BAAAAkAAAAEgAAACQAAAASAAAAAAAAAAAAAAAAAAAAAEAAABQAAAAAAAAAAAA4D8AAAAAAADgPwAAAAAAAOA/AAAAAAAA4D8AAAAAAADgPwAAAAAAAOA/AAAAAAAA4D8AAAAAAADgPwAAAAAAAOA/AAAAAAAA4D8CAAAAjAAAAAEAAAAAAAAAHh4eAP///wgAAAAAAAAAAAAAAAAAAAAAAAAAAAAAAAAAAAAAZAAAAAEAAABAAAAAAAAAAAAAAAAAAAAAAAAAAAAAAAAAAAAAAAAAAAAAAAAAAAAAAAAAAAAAAAAAAAAAAAAAAAAAAAAAAAAAAAAAAAAAAAAAAAAAAAAAAAAAAAAAAAAAFAAAADwAAAAAAAAAAAAAAAAAAAkAAAAAAQAAAAAAAAAAAAAAAAAAAAAAAAAAAAAAZAAAAGQAAAAAAAAAZAAAAGQAAAAVAAAAYAAAAAAAAAAAAAAADwAAACADAAAAAAAAAAAAAAEAAACgMgAAAAAAAAAAAAABAAAAf39/AAEAAABkAAAAAAAAABQAAABAHwAAAAAAACYAAAAAAAAAwOD//wAAAAAmAAAAZAAAABYAAABMAAAAAAAAAAAAAAAEAAAAAAAAAAEAAACAgIAKAAAAACgAAAAoAAAAZAAAAGQAAAAAAAAAzMzMAAAAAABQAAAAUAAAAGQAAABkAAAAAAAAABcAAAAUAAAAAAAAAAAAAAD/fwAA/38AAAAAAAAJAAAABAAAANPT0/8MAAAAEAAAAAAAAAAAAAAAAAAAAAAAAAAeAAAAaAAAAAAAAAAAAAAAAAAAAAAAAAAAAAAAECcAABAnAAAAAAAAAAAAAAAAAAAAAAAAAAAAAAAAAAAAAAAAAAAAABQAAAAAAAAAwMD/AAAAAABkAAAAMgAAAAAAAABkAAAAAAAAAH9/fwAKAAAAHwAAAFQAAAAeHh4A////AQAAAAAAAAAAAAAAAAAAAAAAAAAAAAAAAAAAAAAAAAAAAAAAAn9/fwCAgIADzMzMAMDA/wB/f38AAAAAAAAAAAAAAAAAAAAAAAAAAAAhAAAAGAAAABQAAAAAAAAAZQcAAEA4AAC4CAAAEAAAACYAAAAIAAAA//////////8="/>
+                <pr:smNativeData xmlns:pr="smNativeData" val="SMDATA_13_gcGAXRMAAAAlAAAAZAAAAA8BAAAAkAAAAEgAAACQAAAASAAAAAAAAAAAAAAAAAAAAAEAAABQAAAAAAAAAAAA4D8AAAAAAADgPwAAAAAAAOA/AAAAAAAA4D8AAAAAAADgPwAAAAAAAOA/AAAAAAAA4D8AAAAAAADgPwAAAAAAAOA/AAAAAAAA4D8CAAAAjAAAAAEAAAAAAAAAHh4eAP///wgAAAAAAAAAAAAAAAAAAAAAAAAAAAAAAAAAAAAAZAAAAAEAAABAAAAAAAAAAAAAAAAAAAAAAAAAAAAAAAAAAAAAAAAAAAAAAAAAAAAAAAAAAAAAAAAAAAAAAAAAAAAAAAAAAAAAAAAAAAAAAAAAAAAAAAAAAAAAAAAAAAAAFAAAADwAAAAAAAAAAAAAAAAAAAkAAAAAAQAAAAAAAAAAAAAAAAAAAAAAAAAAAAAAZAAAAGQAAAAAAAAAZAAAAGQAAAAVAAAAYAAAAAAAAAAAAAAADwAAACADAAAAAAAAAAAAAAEAAACgMgAAAAAAAAAAAAABAAAAf39/AAEAAABkAAAAAAAAABQAAABAHwAAAAAAACYAAAAAAAAAwOD//wAAAAAmAAAAZAAAABYAAABMAAAAAAAAAAAAAAAEAAAAAAAAAAEAAACAgIAKAAAAACgAAAAoAAAAZAAAAGQAAAAAAAAAzMzMAAAAAABQAAAAUAAAAGQAAABkAAAAAAAAABcAAAAUAAAAAAAAAAAAAAD/fwAA/38AAAAAAAAJAAAABAAAANPT0/8MAAAAEAAAAAAAAAAAAAAAAAAAAAAAAAAeAAAAaAAAAAAAAAAAAAAAAAAAAAAAAAAAAAAAECcAABAnAAAAAAAAAAAAAAAAAAAAAAAAAAAAAAAAAAAAAAAAAAAAABQAAAAAAAAAwMD/AAAAAABkAAAAMgAAAAAAAABkAAAAAAAAAH9/fwAKAAAAHwAAAFQAAAAeHh4A////AQAAAAAAAAAAAAAAAAAAAAAAAAAAAAAAAAAAAAAAAAAAAAAAAn9/fwCAgIADzMzMAMDA/wB/f38AAAAAAAAAAAAAAAAAAAAAAAAAAAAhAAAAGAAAABQAAAAAAAAAZQcAAEA4AAC4CAAAEAAAACYAAAAIAAAA//////////8="/>
               </a:ext>
             </a:extLst>
           </p:cNvSpPr>
@@ -14446,7 +14446,7 @@
             <a:picLocks noChangeAspect="1"/>
             <a:extLst>
               <a:ext uri="smNativeData">
-                <pr:smNativeData xmlns:pr="smNativeData" val="SMDATA_15_IrKAXRMAAAAlAAAAEQAAAC0AAAAAkAAAAEgAAACQAAAASAAAAAAAAAAAAAAAAAAAAAEAAABQAAAAAAAAAAAA4D8AAAAAAADgPwAAAAAAAOA/AAAAAAAA4D8AAAAAAADgPwAAAAAAAOA/AAAAAAAA4D8AAAAAAADgPwAAAAAAAOA/AAAAAAAA4D8CAAAAjAAAAAAAAAAAAAAAu+DjDP///wgAAAAAAAAAAAAAAAAAAAAAAAAAAAAAAAAAAAAAZAAAAAEAAABAAAAAAAAAAAAAAAAAAAAAAAAAAAAAAAAAAAAAAAAAAAAAAAAAAAAAAAAAAAAAAAAAAAAAAAAAAAAAAAAAAAAAAAAAAAAAAAAAAAAAAAAAAAAAAAAAAAAAFAAAADwAAAAAAAAAAAAAAAAAAAkUAAAAAQAAABQAAAAUAAAAFAAAAAEAAAAAAAAAZAAAAGQAAAAAAAAAZAAAAGQAAAAVAAAAYAAAAAAAAAAAAAAADwAAACADAAAAAAAAAAAAAAEAAACgMgAAVgcAAKr4//8BAAAAf39/AAEAAABkAAAAAAAAABQAAABAHwAAAAAAACYAAAAAAAAAwOD//wAAAAAmAAAAZAAAABYAAABMAAAAAAAAAAAAAAAEAAAAAAAAAAEAAACAgIAKAAAAACgAAAAoAAAAZAAAAGQAAAAAAAAAzMzMAAAAAABQAAAAUAAAAGQAAABkAAAAAAAAAAcAAAA4AAAAAAAAAAAAAAAAAAAA////AAAAAAAAAAAAAAAAAAAAAAAAAAAAAAAAAAAAAABkAAAAZAAAAAAAAAAjAAAABAAAAGQAAAAXAAAAFAAAAAAAAAAAAAAA/38AAP9/AAAAAAAACQAAAAQAAAACAAAADAAAABAAAAAAAAAAAAAAAAAAAAAAAAAAHgAAAGgAAAAAAAAAAAAAAAAAAAAAAAAAAAAAABAnAAAQJwAAAAAAAAAAAAAAAAAAAAAAAAAAAAAAAAAAAAAAAAAAAAAUAAAAAAAAAMDA/wAAAAAAZAAAADIAAAAAAAAAZAAAAAAAAAB/f38ACgAAAB8AAABUAAAAu+DjBf///wEAAAAAAAAAAAAAAAAAAAAAAAAAAAAAAAAAAAAAAAAAAAAAAAJ/f38AgICAA8zMzADAwP8Af39/AAAAAAAAAAAAAAAAAP///wAAAAAAIQAAABgAAAAUAAAA6wsAAMMWAACQKgAAUyoAABAAAAAmAAAACAAAAP//////////"/>
+                <pr:smNativeData xmlns:pr="smNativeData" val="SMDATA_15_gcGAXRMAAAAlAAAAEQAAAC0AAAAAkAAAAEgAAACQAAAASAAAAAAAAAAAAAAAAAAAAAEAAABQAAAAAAAAAAAA4D8AAAAAAADgPwAAAAAAAOA/AAAAAAAA4D8AAAAAAADgPwAAAAAAAOA/AAAAAAAA4D8AAAAAAADgPwAAAAAAAOA/AAAAAAAA4D8CAAAAjAAAAAAAAAAAAAAAu+DjDP///wgAAAAAAAAAAAAAAAAAAAAAAAAAAAAAAAAAAAAAZAAAAAEAAABAAAAAAAAAAAAAAAAAAAAAAAAAAAAAAAAAAAAAAAAAAAAAAAAAAAAAAAAAAAAAAAAAAAAAAAAAAAAAAAAAAAAAAAAAAAAAAAAAAAAAAAAAAAAAAAAAAAAAFAAAADwAAAAAAAAAAAAAAAAAAAkUAAAAAQAAABQAAAAUAAAAFAAAAAEAAAAAAAAAZAAAAGQAAAAAAAAAZAAAAGQAAAAVAAAAYAAAAAAAAAAAAAAADwAAACADAAAAAAAAAAAAAAEAAACgMgAAVgcAAKr4//8BAAAAf39/AAEAAABkAAAAAAAAABQAAABAHwAAAAAAACYAAAAAAAAAwOD//wAAAAAmAAAAZAAAABYAAABMAAAAAAAAAAAAAAAEAAAAAAAAAAEAAACAgIAKAAAAACgAAAAoAAAAZAAAAGQAAAAAAAAAzMzMAAAAAABQAAAAUAAAAGQAAABkAAAAAAAAAAcAAAA4AAAAAAAAAAAAAAAAAAAA////AAAAAAAAAAAAAAAAAAAAAAAAAAAAAAAAAAAAAABkAAAAZAAAAAAAAAAjAAAABAAAAGQAAAAXAAAAFAAAAAAAAAAAAAAA/38AAP9/AAAAAAAACQAAAAQAAAACAAAADAAAABAAAAAAAAAAAAAAAAAAAAAAAAAAHgAAAGgAAAAAAAAAAAAAAAAAAAAAAAAAAAAAABAnAAAQJwAAAAAAAAAAAAAAAAAAAAAAAAAAAAAAAAAAAAAAAAAAAAAUAAAAAAAAAMDA/wAAAAAAZAAAADIAAAAAAAAAZAAAAAAAAAB/f38ACgAAAB8AAABUAAAAu+DjBf///wEAAAAAAAAAAAAAAAAAAAAAAAAAAAAAAAAAAAAAAAAAAAAAAAJ/f38AgICAA8zMzADAwP8Af39/AAAAAAAAAAAAAAAAAP///wAAAAAAIQAAABgAAAAUAAAA6wsAAMMWAACQKgAAUyoAABAAAAAmAAAACAAAAP//////////"/>
               </a:ext>
             </a:extLst>
           </p:cNvPicPr>
@@ -14519,7 +14519,7 @@
           <p:cNvSpPr>
             <a:extLst>
               <a:ext uri="smNativeData">
-                <pr:smNativeData xmlns:pr="smNativeData" val="SMDATA_13_IrKAXRMAAAAlAAAAZAAAAA8BAAAAkAAAAEgAAACQAAAASAAAAAAAAAABAAAAAAAAAAEAAABQAAAAAAAAAAAA4D8AAAAAAADgPwAAAAAAAOA/AAAAAAAA4D8AAAAAAADgPwAAAAAAAOA/AAAAAAAA4D8AAAAAAADgPwAAAAAAAOA/AAAAAAAA4D8CAAAAjAAAAAAAAAAAAAAAu+DjDP///wgAAAAAAAAAAAAAAAAAAAAAAAAAAAAAAAAAAAAAZAAAAAEAAABAAAAAAAAAAAAAAAAAAAAAAAAAAAAAAAAAAAAAAAAAAAAAAAAAAAAAAAAAAAAAAAAAAAAAAAAAAAAAAAAAAAAAAAAAAAAAAAAAAAAAAAAAAAAAAAAAAAAAFAAAADwAAAAAAAAAAAAAAAAAAAkUAAAAAQAAABQAAAAUAAAAFAAAAAEAAAAAAAAAZAAAAGQAAAAAAAAAZAAAAGQAAAAVAAAAYAAAAAAAAAAAAAAADwAAACADAAAAAAAAAAAAAAEAAACgMgAAVgcAAKr4//8BAAAAf39/AAEAAABkAAAAAAAAABQAAABAHwAAAAAAACYAAAAAAAAAwOD//wAAAAAmAAAAZAAAABYAAABMAAAAAAAAAAAAAAAEAAAAAAAAAAEAAACAgIAKAAAAACgAAAAoAAAAZAAAAGQAAAAAAAAAzMzMAAAAAABQAAAAUAAAAGQAAABkAAAAAAAAABcAAAAUAAAAAAAAAAAAAAD/fwAA/38AAAAAAAAJAAAABAAAAPCptwMMAAAAEAAAAAAAAAAAAAAAAAAAAAAAAAAeAAAAaAAAAAAAAAAAAAAAAAAAAAAAAAAAAAAAECcAABAnAAAAAAAAAAAAAAAAAAAAAAAAAAAAAAAAAAAAAAAAAAAAABQAAAAAAAAAwMD/AAAAAABkAAAAMgAAAAAAAABkAAAAAAAAAH9/fwAKAAAAHwAAAFQAAAC74OMF////AQAAAAAAAAAAAAAAAAAAAAAAAAAAAAAAAAAAAAAAAAAAAAAAAn9/fwCAgIADzMzMAMDA/wB/f38AAAAAAAAAAAAAAAAAAAAAAAAAAAAhAAAAGAAAABQAAABqBAAAiAMAABY0AAAoBwAAEAAAACYAAAAIAAAA//////////8="/>
+                <pr:smNativeData xmlns:pr="smNativeData" val="SMDATA_13_gcGAXRMAAAAlAAAAZAAAAA8BAAAAkAAAAEgAAACQAAAASAAAAAAAAAABAAAAAAAAAAEAAABQAAAAAAAAAAAA4D8AAAAAAADgPwAAAAAAAOA/AAAAAAAA4D8AAAAAAADgPwAAAAAAAOA/AAAAAAAA4D8AAAAAAADgPwAAAAAAAOA/AAAAAAAA4D8CAAAAjAAAAAAAAAAAAAAAu+DjDP///wgAAAAAAAAAAAAAAAAAAAAAAAAAAAAAAAAAAAAAZAAAAAEAAABAAAAAAAAAAAAAAAAAAAAAAAAAAAAAAAAAAAAAAAAAAAAAAAAAAAAAAAAAAAAAAAAAAAAAAAAAAAAAAAAAAAAAAAAAAAAAAAAAAAAAAAAAAAAAAAAAAAAAFAAAADwAAAAAAAAAAAAAAAAAAAkUAAAAAQAAABQAAAAUAAAAFAAAAAEAAAAAAAAAZAAAAGQAAAAAAAAAZAAAAGQAAAAVAAAAYAAAAAAAAAAAAAAADwAAACADAAAAAAAAAAAAAAEAAACgMgAAVgcAAKr4//8BAAAAf39/AAEAAABkAAAAAAAAABQAAABAHwAAAAAAACYAAAAAAAAAwOD//wAAAAAmAAAAZAAAABYAAABMAAAAAAAAAAAAAAAEAAAAAAAAAAEAAACAgIAKAAAAACgAAAAoAAAAZAAAAGQAAAAAAAAAzMzMAAAAAABQAAAAUAAAAGQAAABkAAAAAAAAABcAAAAUAAAAAAAAAAAAAAD/fwAA/38AAAAAAAAJAAAABAAAAPCptwMMAAAAEAAAAAAAAAAAAAAAAAAAAAAAAAAeAAAAaAAAAAAAAAAAAAAAAAAAAAAAAAAAAAAAECcAABAnAAAAAAAAAAAAAAAAAAAAAAAAAAAAAAAAAAAAAAAAAAAAABQAAAAAAAAAwMD/AAAAAABkAAAAMgAAAAAAAABkAAAAAAAAAH9/fwAKAAAAHwAAAFQAAAC74OMF////AQAAAAAAAAAAAAAAAAAAAAAAAAAAAAAAAAAAAAAAAAAAAAAAAn9/fwCAgIADzMzMAMDA/wB/f38AAAAAAAAAAAAAAAAAAAAAAAAAAAAhAAAAGAAAABQAAABqBAAAiAMAABY0AAAoBwAAEAAAACYAAAAIAAAA//////////8="/>
               </a:ext>
             </a:extLst>
           </p:cNvSpPr>
@@ -14565,7 +14565,7 @@
           <p:cNvSpPr>
             <a:extLst>
               <a:ext uri="smNativeData">
-                <pr:smNativeData xmlns:pr="smNativeData" val="SMDATA_13_IrKAXRMAAAAlAAAAZAAAAA8BAAAAkAAAAEgAAACQAAAASAAAAAAAAAAAAAAAAAAAAAEAAABQAAAAAAAAAAAA4D8AAAAAAADgPwAAAAAAAOA/AAAAAAAA4D8AAAAAAADgPwAAAAAAAOA/AAAAAAAA4D8AAAAAAADgPwAAAAAAAOA/AAAAAAAA4D8CAAAAjAAAAAEAAAAAAAAAHh4eAP///wgAAAAAAAAAAAAAAAAAAAAAAAAAAAAAAAAAAAAAZAAAAAEAAABAAAAAAAAAAAAAAAAAAAAAAAAAAAAAAAAAAAAAAAAAAAAAAAAAAAAAAAAAAAAAAAAAAAAAAAAAAAAAAAAAAAAAAAAAAAAAAAAAAAAAAAAAAAAAAAAAAAAAFAAAADwAAAAAAAAAAAAAAAAAAAkAAAAAAQAAAAAAAAAAAAAAAAAAAAAAAAAAAAAAZAAAAGQAAAAAAAAAZAAAAGQAAAAVAAAAYAAAAAAAAAAAAAAADwAAACADAAAAAAAAAAAAAAEAAACgMgAAAAAAAAAAAAABAAAAf39/AAEAAABkAAAAAAAAABQAAABAHwAAAAAAACYAAAAAAAAAwOD//wAAAAAmAAAAZAAAABYAAABMAAAAAAAAAAAAAAAEAAAAAAAAAAEAAACAgIAKAAAAACgAAAAoAAAAZAAAAGQAAAAAAAAAzMzMAAAAAABQAAAAUAAAAGQAAABkAAAAAAAAABcAAAAUAAAAAAAAAAAAAAD/fwAA/38AAAAAAAAJAAAABAAAAAAAAAAMAAAAEAAAAAAAAAAAAAAAAAAAAAAAAAAeAAAAaAAAAAAAAAAAAAAAAAAAAAAAAAAAAAAAECcAABAnAAAAAAAAAAAAAAAAAAAAAAAAAAAAAAAAAAAAAAAAAAAAABQAAAAAAAAAwMD/AAAAAABkAAAAMgAAAAAAAABkAAAAAAAAAH9/fwAKAAAAHwAAAFQAAAAeHh4A////AQAAAAAAAAAAAAAAAAAAAAAAAAAAAAAAAAAAAAAAAAAAAAAAAn9/fwCAgIADzMzMAMDA/wB/f38AAAAAAAAAAAAAAAAAAAAAAAAAAAAhAAAAGAAAABQAAAAAAAAAZQcAAEA4AAC4CAAAEAAAACYAAAAIAAAA//////////8="/>
+                <pr:smNativeData xmlns:pr="smNativeData" val="SMDATA_13_gcGAXRMAAAAlAAAAZAAAAA8BAAAAkAAAAEgAAACQAAAASAAAAAAAAAAAAAAAAAAAAAEAAABQAAAAAAAAAAAA4D8AAAAAAADgPwAAAAAAAOA/AAAAAAAA4D8AAAAAAADgPwAAAAAAAOA/AAAAAAAA4D8AAAAAAADgPwAAAAAAAOA/AAAAAAAA4D8CAAAAjAAAAAEAAAAAAAAAHh4eAP///wgAAAAAAAAAAAAAAAAAAAAAAAAAAAAAAAAAAAAAZAAAAAEAAABAAAAAAAAAAAAAAAAAAAAAAAAAAAAAAAAAAAAAAAAAAAAAAAAAAAAAAAAAAAAAAAAAAAAAAAAAAAAAAAAAAAAAAAAAAAAAAAAAAAAAAAAAAAAAAAAAAAAAFAAAADwAAAAAAAAAAAAAAAAAAAkAAAAAAQAAAAAAAAAAAAAAAAAAAAAAAAAAAAAAZAAAAGQAAAAAAAAAZAAAAGQAAAAVAAAAYAAAAAAAAAAAAAAADwAAACADAAAAAAAAAAAAAAEAAACgMgAAAAAAAAAAAAABAAAAf39/AAEAAABkAAAAAAAAABQAAABAHwAAAAAAACYAAAAAAAAAwOD//wAAAAAmAAAAZAAAABYAAABMAAAAAAAAAAAAAAAEAAAAAAAAAAEAAACAgIAKAAAAACgAAAAoAAAAZAAAAGQAAAAAAAAAzMzMAAAAAABQAAAAUAAAAGQAAABkAAAAAAAAABcAAAAUAAAAAAAAAAAAAAD/fwAA/38AAAAAAAAJAAAABAAAAAAAAAAMAAAAEAAAAAAAAAAAAAAAAAAAAAAAAAAeAAAAaAAAAAAAAAAAAAAAAAAAAAAAAAAAAAAAECcAABAnAAAAAAAAAAAAAAAAAAAAAAAAAAAAAAAAAAAAAAAAAAAAABQAAAAAAAAAwMD/AAAAAABkAAAAMgAAAAAAAABkAAAAAAAAAH9/fwAKAAAAHwAAAFQAAAAeHh4A////AQAAAAAAAAAAAAAAAAAAAAAAAAAAAAAAAAAAAAAAAAAAAAAAAn9/fwCAgIADzMzMAMDA/wB/f38AAAAAAAAAAAAAAAAAAAAAAAAAAAAhAAAAGAAAABQAAAAAAAAAZQcAAEA4AAC4CAAAEAAAACYAAAAIAAAA//////////8="/>
               </a:ext>
             </a:extLst>
           </p:cNvSpPr>
@@ -14595,7 +14595,7 @@
             <a:picLocks noChangeAspect="1"/>
             <a:extLst>
               <a:ext uri="smNativeData">
-                <pr:smNativeData xmlns:pr="smNativeData" val="SMDATA_15_IrKAXRMAAAAlAAAAEQAAAC8BAAAAkAAAAEgAAACQAAAASAAAAAAAAAAAAAAAAAAAAAEAAABQAAAAAAAAAAAA4D8AAAAAAADgPwAAAAAAAOA/AAAAAAAA4D8AAAAAAADgPwAAAAAAAOA/AAAAAAAA4D8AAAAAAADgPwAAAAAAAOA/AAAAAAAA4D8CAAAAjAAAAAAAAAAAAAAAu+DjDP///wgAAAAAAAAAAAAAAAAAAAAAAAAAAAAAAAAAAAAAZAAAAAEAAABAAAAAAAAAAAAAAAAAAAAAAAAAAAAAAAAAAAAAAAAAAAAAAAAAAAAAAAAAAAAAAAAAAAAAAAAAAAAAAAAAAAAAAAAAAAAAAAAAAAAAAAAAAAAAAAAAAAAAFAAAADwAAAAAAAAAAAAAAAAAAAkUAAAAAQAAABQAAAAUAAAAFAAAAAEAAAAAAAAAZAAAAGQAAAAAAAAAZAAAAGQAAAAVAAAAYAAAAAAAAAAAAAAADwAAACADAAAAAAAAAAAAAAEAAACgMgAAVgcAAKr4//8BAAAAf39/AAEAAABkAAAAAAAAABQAAABAHwAAAAAAACYAAAAAAAAAwOD//wAAAAAmAAAAZAAAABYAAABMAAAAAAAAAAAAAAAEAAAAAAAAAAEAAACAgIAKAAAAACgAAAAoAAAAZAAAAGQAAAAAAAAAzMzMAAAAAABQAAAAUAAAAGQAAABkAAAAAAAAAAcAAAA4AAAAAAAAAAAAAAAAAAAA////AAAAAAAAAAAAAAAAAAAAAAAAAAAAAAAAAAAAAABkAAAAZAAAAAAAAAAjAAAABAAAAGQAAAAXAAAAFAAAAAAAAAAAAAAA/38AAP9/AAAAAAAACQAAAAQAAAB5bGU+DAAAABAAAACIgiEKhijgP7W0tLS0tNQ/HgAAAGgAAAAAAAAAAAAAAAAAAAAAAAAAAAAAABAnAAAQJwAAAAAAAAAAAAAAAAAAAAAAAAAAAAAAAAAAAAAAAAAAAAAUAAAAAAAAAMDA/wAAAAAAZAAAADIAAAAAAAAAZAAAAAAAAAB/f38ACgAAAB8AAABUAAAAu+DjBf///wEAAAAAAAAAAAAAAAAAAAAAAAAAAAAAAAAAAAAAAAAAAAAAAAJ/f38AgICAA8zMzADAwP8Af39/AAAAAAAAAAAAAAAAAP///wAAAAAAIQAAABgAAAAUAAAA3xEAACcKAABnJgAAKygAABAAAAAmAAAACAAAAP//////////"/>
+                <pr:smNativeData xmlns:pr="smNativeData" val="SMDATA_15_gcGAXRMAAAAlAAAAEQAAAC8BAAAAkAAAAEgAAACQAAAASAAAAAAAAAAAAAAAAAAAAAEAAABQAAAAAAAAAAAA4D8AAAAAAADgPwAAAAAAAOA/AAAAAAAA4D8AAAAAAADgPwAAAAAAAOA/AAAAAAAA4D8AAAAAAADgPwAAAAAAAOA/AAAAAAAA4D8CAAAAjAAAAAAAAAAAAAAAu+DjDP///wgAAAAAAAAAAAAAAAAAAAAAAAAAAAAAAAAAAAAAZAAAAAEAAABAAAAAAAAAAAAAAAAAAAAAAAAAAAAAAAAAAAAAAAAAAAAAAAAAAAAAAAAAAAAAAAAAAAAAAAAAAAAAAAAAAAAAAAAAAAAAAAAAAAAAAAAAAAAAAAAAAAAAFAAAADwAAAAAAAAAAAAAAAAAAAkUAAAAAQAAABQAAAAUAAAAFAAAAAEAAAAAAAAAZAAAAGQAAAAAAAAAZAAAAGQAAAAVAAAAYAAAAAAAAAAAAAAADwAAACADAAAAAAAAAAAAAAEAAACgMgAAVgcAAKr4//8BAAAAf39/AAEAAABkAAAAAAAAABQAAABAHwAAAAAAACYAAAAAAAAAwOD//wAAAAAmAAAAZAAAABYAAABMAAAAAAAAAAAAAAAEAAAAAAAAAAEAAACAgIAKAAAAACgAAAAoAAAAZAAAAGQAAAAAAAAAzMzMAAAAAABQAAAAUAAAAGQAAABkAAAAAAAAAAcAAAA4AAAAAAAAAAAAAAAAAAAA////AAAAAAAAAAAAAAAAAAAAAAAAAAAAAAAAAAAAAABkAAAAZAAAAAAAAAAjAAAABAAAAGQAAAAXAAAAFAAAAAAAAAAAAAAA/38AAP9/AAAAAAAACQAAAAQAAAB5bGU+DAAAABAAAACIgiEKhijgP7W0tLS0tNQ/HgAAAGgAAAAAAAAAAAAAAAAAAAAAAAAAAAAAABAnAAAQJwAAAAAAAAAAAAAAAAAAAAAAAAAAAAAAAAAAAAAAAAAAAAAUAAAAAAAAAMDA/wAAAAAAZAAAADIAAAAAAAAAZAAAAAAAAAB/f38ACgAAAB8AAABUAAAAu+DjBf///wEAAAAAAAAAAAAAAAAAAAAAAAAAAAAAAAAAAAAAAAAAAAAAAAJ/f38AgICAA8zMzADAwP8Af39/AAAAAAAAAAAAAAAAAP///wAAAAAAIQAAABgAAAAUAAAA3xEAACcKAABnJgAAKygAABAAAAAmAAAACAAAAP//////////"/>
               </a:ext>
             </a:extLst>
           </p:cNvPicPr>
@@ -14668,7 +14668,7 @@
           <p:cNvSpPr>
             <a:extLst>
               <a:ext uri="smNativeData">
-                <pr:smNativeData xmlns:pr="smNativeData" val="SMDATA_13_IrKAXRMAAAAlAAAAZAAAAA8BAAAAkAAAAEgAAACQAAAASAAAAAAAAAABAAAAAAAAAAEAAABQAAAAAAAAAAAA4D8AAAAAAADgPwAAAAAAAOA/AAAAAAAA4D8AAAAAAADgPwAAAAAAAOA/AAAAAAAA4D8AAAAAAADgPwAAAAAAAOA/AAAAAAAA4D8CAAAAjAAAAAAAAAAAAAAAu+DjDP///wgAAAAAAAAAAAAAAAAAAAAAAAAAAAAAAAAAAAAAZAAAAAEAAABAAAAAAAAAAAAAAAAAAAAAAAAAAAAAAAAAAAAAAAAAAAAAAAAAAAAAAAAAAAAAAAAAAAAAAAAAAAAAAAAAAAAAAAAAAAAAAAAAAAAAAAAAAAAAAAAAAAAAFAAAADwAAAAAAAAAAAAAAAAAAAkUAAAAAQAAABQAAAAUAAAAFAAAAAEAAAAAAAAAZAAAAGQAAAAAAAAAZAAAAGQAAAAVAAAAYAAAAAAAAAAAAAAADwAAACADAAAAAAAAAAAAAAEAAACgMgAAVgcAAKr4//8BAAAAf39/AAEAAABkAAAAAAAAABQAAABAHwAAAAAAACYAAAAAAAAAwOD//wAAAAAmAAAAZAAAABYAAABMAAAAAAAAAAAAAAAEAAAAAAAAAAEAAACAgIAKAAAAACgAAAAoAAAAZAAAAGQAAAAAAAAAzMzMAAAAAABQAAAAUAAAAGQAAABkAAAAAAAAABcAAAAUAAAAAAAAAAAAAAD/fwAA/38AAAAAAAAJAAAABAAAAAIA/f8MAAAAEAAAAAAAAAAAAAAAAAAAAAAAAAAeAAAAaAAAAAAAAAAAAAAAAAAAAAAAAAAAAAAAECcAABAnAAAAAAAAAAAAAAAAAAAAAAAAAAAAAAAAAAAAAAAAAAAAABQAAAAAAAAAwMD/AAAAAABkAAAAMgAAAAAAAABkAAAAAAAAAH9/fwAKAAAAHwAAAFQAAAC74OMF////AQAAAAAAAAAAAAAAAAAAAAAAAAAAAAAAAAAAAAAAAAAAAAAAAn9/fwCAgIADzMzMAMDA/wB/f38AAAAAAAAAAAAAAAAAAAAAAAAAAAAhAAAAGAAAABQAAABqBAAAiAMAABY0AAAoBwAAEAAAACYAAAAIAAAA//////////8="/>
+                <pr:smNativeData xmlns:pr="smNativeData" val="SMDATA_13_gcGAXRMAAAAlAAAAZAAAAA8BAAAAkAAAAEgAAACQAAAASAAAAAAAAAABAAAAAAAAAAEAAABQAAAAAAAAAAAA4D8AAAAAAADgPwAAAAAAAOA/AAAAAAAA4D8AAAAAAADgPwAAAAAAAOA/AAAAAAAA4D8AAAAAAADgPwAAAAAAAOA/AAAAAAAA4D8CAAAAjAAAAAAAAAAAAAAAu+DjDP///wgAAAAAAAAAAAAAAAAAAAAAAAAAAAAAAAAAAAAAZAAAAAEAAABAAAAAAAAAAAAAAAAAAAAAAAAAAAAAAAAAAAAAAAAAAAAAAAAAAAAAAAAAAAAAAAAAAAAAAAAAAAAAAAAAAAAAAAAAAAAAAAAAAAAAAAAAAAAAAAAAAAAAFAAAADwAAAAAAAAAAAAAAAAAAAkUAAAAAQAAABQAAAAUAAAAFAAAAAEAAAAAAAAAZAAAAGQAAAAAAAAAZAAAAGQAAAAVAAAAYAAAAAAAAAAAAAAADwAAACADAAAAAAAAAAAAAAEAAACgMgAAVgcAAKr4//8BAAAAf39/AAEAAABkAAAAAAAAABQAAABAHwAAAAAAACYAAAAAAAAAwOD//wAAAAAmAAAAZAAAABYAAABMAAAAAAAAAAAAAAAEAAAAAAAAAAEAAACAgIAKAAAAACgAAAAoAAAAZAAAAGQAAAAAAAAAzMzMAAAAAABQAAAAUAAAAGQAAABkAAAAAAAAABcAAAAUAAAAAAAAAAAAAAD/fwAA/38AAAAAAAAJAAAABAAAAAIA/f8MAAAAEAAAAAAAAAAAAAAAAAAAAAAAAAAeAAAAaAAAAAAAAAAAAAAAAAAAAAAAAAAAAAAAECcAABAnAAAAAAAAAAAAAAAAAAAAAAAAAAAAAAAAAAAAAAAAAAAAABQAAAAAAAAAwMD/AAAAAABkAAAAMgAAAAAAAABkAAAAAAAAAH9/fwAKAAAAHwAAAFQAAAC74OMF////AQAAAAAAAAAAAAAAAAAAAAAAAAAAAAAAAAAAAAAAAAAAAAAAAn9/fwCAgIADzMzMAMDA/wB/f38AAAAAAAAAAAAAAAAAAAAAAAAAAAAhAAAAGAAAABQAAABqBAAAiAMAABY0AAAoBwAAEAAAACYAAAAIAAAA//////////8="/>
               </a:ext>
             </a:extLst>
           </p:cNvSpPr>
@@ -14714,7 +14714,7 @@
           <p:cNvSpPr txBox="1">
             <a:extLst>
               <a:ext uri="smNativeData">
-                <pr:smNativeData xmlns:pr="smNativeData" val="SMDATA_13_IrKAXRMAAAAlAAAAEgAAAE8BAAAAkAAAAEgAAACQAAAASAAAAAAAAAAAAAAAAAAAAAEAAABQAAAAAAAAAAAA4D8AAAAAAADgPwAAAAAAAOA/AAAAAAAA4D8AAAAAAADgPwAAAAAAAOA/AAAAAAAA4D8AAAAAAADgPwAAAAAAAOA/AAAAAAAA4D8CAAAAjAAAAAAAAAAAAAAAu+DjDP///wgAAAAAAAAAAAAAAAAAAAAAAAAAAAAAAAAAAAAAZAAAAAEAAABAAAAAAAAAAAAAAAAAAAAAAAAAAAAAAAAAAAAAAAAAAAAAAAAAAAAAAAAAAAAAAAAAAAAAAAAAAAAAAAAAAAAAAAAAAAAAAAAAAAAAAAAAAAAAAAAAAAAAFAAAADwAAAAAAAAAAAAAAAAAAAkUAAAAAQAAABQAAAAUAAAAFAAAAAEAAAAAAAAAZAAAAGQAAAAAAAAAZAAAAGQAAAAVAAAAYAAAAAAAAAAAAAAADwAAACADAAAAAAAAAAAAAAEAAACgMgAAVgcAAKr4//8BAAAAf39/AAEAAABkAAAAAAAAABQAAABAHwAAAAAAACYAAAAAAAAAwOD//wAAAAAmAAAAZAAAABYAAABMAAAAAAAAAAAAAAAEAAAAAAAAAAEAAACAgIAKAAAAACgAAAAoAAAAZAAAAGQAAAAAAAAAzMzMAAAAAABQAAAAUAAAAGQAAABkAAAAAAAAABcAAAAUAAAAAAAAANwIAAD/fwAA/38AAAAAAAAJAAAABAAAAGYSAAAMAAAAEAAAAAAAAAAAAAAAAAAAAAAAAAAeAAAAaAAAAAAAAAAAAAAAAAAAAAAAAAAAAAAAECcAABAnAAAAAAAAAAAAAAAAAAAAAAAAAAAAAAAAAAAAAAAAAAAAABQAAAAAAAAAwMD/AAAAAABkAAAAMgAAAAAAAABkAAAAAAAAAH9/fwAKAAAAHwAAAFQAAAC74OMF////AQAAAAAAAAAAAAAAAAAAAAAAAAAAAAAAAAAAAAAAAAAAAAAAAn9/fwCAgIADzMzMAMDA/wB/f38AAAAAAAAAAAAAAAAAAAAAAAAAAAAhAAAAGAAAABQAAABqBAAA4QgAABY0AAAhCwAAECAAACYAAAAIAAAA//////////8="/>
+                <pr:smNativeData xmlns:pr="smNativeData" val="SMDATA_13_gcGAXRMAAAAlAAAAEgAAAE8BAAAAkAAAAEgAAACQAAAASAAAAAAAAAAAAAAAAAAAAAEAAABQAAAAAAAAAAAA4D8AAAAAAADgPwAAAAAAAOA/AAAAAAAA4D8AAAAAAADgPwAAAAAAAOA/AAAAAAAA4D8AAAAAAADgPwAAAAAAAOA/AAAAAAAA4D8CAAAAjAAAAAAAAAAAAAAAu+DjDP///wgAAAAAAAAAAAAAAAAAAAAAAAAAAAAAAAAAAAAAZAAAAAEAAABAAAAAAAAAAAAAAAAAAAAAAAAAAAAAAAAAAAAAAAAAAAAAAAAAAAAAAAAAAAAAAAAAAAAAAAAAAAAAAAAAAAAAAAAAAAAAAAAAAAAAAAAAAAAAAAAAAAAAFAAAADwAAAAAAAAAAAAAAAAAAAkUAAAAAQAAABQAAAAUAAAAFAAAAAEAAAAAAAAAZAAAAGQAAAAAAAAAZAAAAGQAAAAVAAAAYAAAAAAAAAAAAAAADwAAACADAAAAAAAAAAAAAAEAAACgMgAAVgcAAKr4//8BAAAAf39/AAEAAABkAAAAAAAAABQAAABAHwAAAAAAACYAAAAAAAAAwOD//wAAAAAmAAAAZAAAABYAAABMAAAAAAAAAAAAAAAEAAAAAAAAAAEAAACAgIAKAAAAACgAAAAoAAAAZAAAAGQAAAAAAAAAzMzMAAAAAABQAAAAUAAAAGQAAABkAAAAAAAAABcAAAAUAAAAAAAAANwIAAD/fwAA/38AAAAAAAAJAAAABAAAAGYSAAAMAAAAEAAAAAAAAAAAAAAAAAAAAAAAAAAeAAAAaAAAAAAAAAAAAAAAAAAAAAAAAAAAAAAAECcAABAnAAAAAAAAAAAAAAAAAAAAAAAAAAAAAAAAAAAAAAAAAAAAABQAAAAAAAAAwMD/AAAAAABkAAAAMgAAAAAAAABkAAAAAAAAAH9/fwAKAAAAHwAAAFQAAAC74OMF////AQAAAAAAAAAAAAAAAAAAAAAAAAAAAAAAAAAAAAAAAAAAAAAAAn9/fwCAgIADzMzMAMDA/wB/f38AAAAAAAAAAAAAAAAAAAAAAAAAAAAhAAAAGAAAABQAAABqBAAA4QgAABY0AAAhCwAAECAAACYAAAAIAAAA//////////8="/>
               </a:ext>
             </a:extLst>
           </p:cNvSpPr>
@@ -14762,7 +14762,7 @@
           <p:cNvSpPr txBox="1">
             <a:extLst>
               <a:ext uri="smNativeData">
-                <pr:smNativeData xmlns:pr="smNativeData" val="SMDATA_13_IrKAXRMAAAAlAAAAEgAAAE8BAAAAkAAAAEgAAACQAAAASAAAAAAAAAAAAAAAAAAAAAEAAABQAAAAAAAAAAAA4D8AAAAAAADgPwAAAAAAAOA/AAAAAAAA4D8AAAAAAADgPwAAAAAAAOA/AAAAAAAA4D8AAAAAAADgPwAAAAAAAOA/AAAAAAAA4D8CAAAAjAAAAAAAAAAAAAAAu+DjDP///wgAAAAAAAAAAAAAAAAAAAAAAAAAAAAAAAAAAAAAZAAAAAEAAABAAAAAAAAAAAAAAAAAAAAAAAAAAAAAAAAAAAAAAAAAAAAAAAAAAAAAAAAAAAAAAAAAAAAAAAAAAAAAAAAAAAAAAAAAAAAAAAAAAAAAAAAAAAAAAAAAAAAAFAAAADwAAAAAAAAAAAAAAAAAAAkUAAAAAQAAABQAAAAUAAAAFAAAAAEAAAAAAAAAZAAAAGQAAAAAAAAAZAAAAGQAAAAVAAAAYAAAAAAAAAAAAAAADwAAACADAAAAAAAAAAAAAAEAAACgMgAAVgcAAKr4//8BAAAAf39/AAEAAABkAAAAAAAAABQAAABAHwAAAAAAACYAAAAAAAAAwOD//wAAAAAmAAAAZAAAABYAAABMAAAAAAAAAAAAAAAEAAAAAAAAAAEAAACAgIAKAAAAACgAAAAoAAAAZAAAAGQAAAAAAAAAzMzMAAAAAABQAAAAUAAAAGQAAABkAAAAAAAAABcAAAAUAAAAAAAAANwIAAD/fwAA/38AAAAAAAAJAAAABAAAAAAAAAAMAAAAEAAAAAAAAAAAAAAAAAAAAAAAAAAeAAAAaAAAAAAAAAAAAAAAAAAAAAAAAAAAAAAAECcAABAnAAAAAAAAAAAAAAAAAAAAAAAAAAAAAAAAAAAAAAAAAAAAABQAAAAAAAAAwMD/AAAAAABkAAAAMgAAAAAAAABkAAAAAAAAAH9/fwAKAAAAHwAAAFQAAAC74OMF////AQAAAAAAAAAAAAAAAAAAAAAAAAAAAAAAAAAAAAAAAAAAAAAAAn9/fwCAgIADzMzMAMDA/wB/f38AAAAAAAAAAAAAAAAAAAAAAAAAAAAhAAAAGAAAABQAAACfBgAAkgsAABY0AADSDQAAECAAACYAAAAIAAAA//////////8="/>
+                <pr:smNativeData xmlns:pr="smNativeData" val="SMDATA_13_gcGAXRMAAAAlAAAAEgAAAE8BAAAAkAAAAEgAAACQAAAASAAAAAAAAAAAAAAAAAAAAAEAAABQAAAAAAAAAAAA4D8AAAAAAADgPwAAAAAAAOA/AAAAAAAA4D8AAAAAAADgPwAAAAAAAOA/AAAAAAAA4D8AAAAAAADgPwAAAAAAAOA/AAAAAAAA4D8CAAAAjAAAAAAAAAAAAAAAu+DjDP///wgAAAAAAAAAAAAAAAAAAAAAAAAAAAAAAAAAAAAAZAAAAAEAAABAAAAAAAAAAAAAAAAAAAAAAAAAAAAAAAAAAAAAAAAAAAAAAAAAAAAAAAAAAAAAAAAAAAAAAAAAAAAAAAAAAAAAAAAAAAAAAAAAAAAAAAAAAAAAAAAAAAAAFAAAADwAAAAAAAAAAAAAAAAAAAkUAAAAAQAAABQAAAAUAAAAFAAAAAEAAAAAAAAAZAAAAGQAAAAAAAAAZAAAAGQAAAAVAAAAYAAAAAAAAAAAAAAADwAAACADAAAAAAAAAAAAAAEAAACgMgAAVgcAAKr4//8BAAAAf39/AAEAAABkAAAAAAAAABQAAABAHwAAAAAAACYAAAAAAAAAwOD//wAAAAAmAAAAZAAAABYAAABMAAAAAAAAAAAAAAAEAAAAAAAAAAEAAACAgIAKAAAAACgAAAAoAAAAZAAAAGQAAAAAAAAAzMzMAAAAAABQAAAAUAAAAGQAAABkAAAAAAAAABcAAAAUAAAAAAAAANwIAAD/fwAA/38AAAAAAAAJAAAABAAAAAAAAAAMAAAAEAAAAAAAAAAAAAAAAAAAAAAAAAAeAAAAaAAAAAAAAAAAAAAAAAAAAAAAAAAAAAAAECcAABAnAAAAAAAAAAAAAAAAAAAAAAAAAAAAAAAAAAAAAAAAAAAAABQAAAAAAAAAwMD/AAAAAABkAAAAMgAAAAAAAABkAAAAAAAAAH9/fwAKAAAAHwAAAFQAAAC74OMF////AQAAAAAAAAAAAAAAAAAAAAAAAAAAAAAAAAAAAAAAAAAAAAAAAn9/fwCAgIADzMzMAMDA/wB/f38AAAAAAAAAAAAAAAAAAAAAAAAAAAAhAAAAGAAAABQAAACfBgAAkgsAABY0AADSDQAAECAAACYAAAAIAAAA//////////8="/>
               </a:ext>
             </a:extLst>
           </p:cNvSpPr>
@@ -14810,7 +14810,7 @@
           <p:cNvSpPr txBox="1">
             <a:extLst>
               <a:ext uri="smNativeData">
-                <pr:smNativeData xmlns:pr="smNativeData" val="SMDATA_13_IrKAXRMAAAAlAAAAEgAAAE8BAAAAkAAAAEgAAACQAAAASAAAAAAAAAAAAAAAAAAAAAEAAABQAAAAAAAAAAAA4D8AAAAAAADgPwAAAAAAAOA/AAAAAAAA4D8AAAAAAADgPwAAAAAAAOA/AAAAAAAA4D8AAAAAAADgPwAAAAAAAOA/AAAAAAAA4D8CAAAAjAAAAAAAAAAAAAAAu+DjDP///wgAAAAAAAAAAAAAAAAAAAAAAAAAAAAAAAAAAAAAZAAAAAEAAABAAAAAAAAAAAAAAAAAAAAAAAAAAAAAAAAAAAAAAAAAAAAAAAAAAAAAAAAAAAAAAAAAAAAAAAAAAAAAAAAAAAAAAAAAAAAAAAAAAAAAAAAAAAAAAAAAAAAAFAAAADwAAAAAAAAAAAAAAAAAAAkUAAAAAQAAABQAAAAUAAAAFAAAAAEAAAAAAAAAZAAAAGQAAAAAAAAAZAAAAGQAAAAVAAAAYAAAAAAAAAAAAAAADwAAACADAAAAAAAAAAAAAAEAAACgMgAAVgcAAKr4//8BAAAAf39/AAEAAABkAAAAAAAAABQAAABAHwAAAAAAACYAAAAAAAAAwOD//wAAAAAmAAAAZAAAABYAAABMAAAAAAAAAAAAAAAEAAAAAAAAAAEAAACAgIAKAAAAACgAAAAoAAAAZAAAAGQAAAAAAAAAzMzMAAAAAABQAAAAUAAAAGQAAABkAAAAAAAAABcAAAAUAAAAAAAAANwIAAD/fwAA/38AAAAAAAAJAAAABAAAAHBlPSIMAAAAEAAAAAAAAAAAAAAAAAAAAAAAAAAeAAAAaAAAAAAAAAAAAAAAAAAAAAAAAAAAAAAAECcAABAnAAAAAAAAAAAAAAAAAAAAAAAAAAAAAAAAAAAAAAAAAAAAABQAAAAAAAAAwMD/AAAAAABkAAAAMgAAAAAAAABkAAAAAAAAAH9/fwAKAAAAHwAAAFQAAAC74OMF////AQAAAAAAAAAAAAAAAAAAAAAAAAAAAAAAAAAAAAAAAAAAAAAAAn9/fwCAgIADzMzMAMDA/wB/f38AAAAAAAAAAAAAAAAAAAAAAAAAAAAhAAAAGAAAABQAAACfBgAAxw0AABY0AAAHEAAAECAAACYAAAAIAAAA//////////8="/>
+                <pr:smNativeData xmlns:pr="smNativeData" val="SMDATA_13_gcGAXRMAAAAlAAAAEgAAAE8BAAAAkAAAAEgAAACQAAAASAAAAAAAAAAAAAAAAAAAAAEAAABQAAAAAAAAAAAA4D8AAAAAAADgPwAAAAAAAOA/AAAAAAAA4D8AAAAAAADgPwAAAAAAAOA/AAAAAAAA4D8AAAAAAADgPwAAAAAAAOA/AAAAAAAA4D8CAAAAjAAAAAAAAAAAAAAAu+DjDP///wgAAAAAAAAAAAAAAAAAAAAAAAAAAAAAAAAAAAAAZAAAAAEAAABAAAAAAAAAAAAAAAAAAAAAAAAAAAAAAAAAAAAAAAAAAAAAAAAAAAAAAAAAAAAAAAAAAAAAAAAAAAAAAAAAAAAAAAAAAAAAAAAAAAAAAAAAAAAAAAAAAAAAFAAAADwAAAAAAAAAAAAAAAAAAAkUAAAAAQAAABQAAAAUAAAAFAAAAAEAAAAAAAAAZAAAAGQAAAAAAAAAZAAAAGQAAAAVAAAAYAAAAAAAAAAAAAAADwAAACADAAAAAAAAAAAAAAEAAACgMgAAVgcAAKr4//8BAAAAf39/AAEAAABkAAAAAAAAABQAAABAHwAAAAAAACYAAAAAAAAAwOD//wAAAAAmAAAAZAAAABYAAABMAAAAAAAAAAAAAAAEAAAAAAAAAAEAAACAgIAKAAAAACgAAAAoAAAAZAAAAGQAAAAAAAAAzMzMAAAAAABQAAAAUAAAAGQAAABkAAAAAAAAABcAAAAUAAAAAAAAANwIAAD/fwAA/38AAAAAAAAJAAAABAAAAHBlPSIMAAAAEAAAAAAAAAAAAAAAAAAAAAAAAAAeAAAAaAAAAAAAAAAAAAAAAAAAAAAAAAAAAAAAECcAABAnAAAAAAAAAAAAAAAAAAAAAAAAAAAAAAAAAAAAAAAAAAAAABQAAAAAAAAAwMD/AAAAAABkAAAAMgAAAAAAAABkAAAAAAAAAH9/fwAKAAAAHwAAAFQAAAC74OMF////AQAAAAAAAAAAAAAAAAAAAAAAAAAAAAAAAAAAAAAAAAAAAAAAAn9/fwCAgIADzMzMAMDA/wB/f38AAAAAAAAAAAAAAAAAAAAAAAAAAAAhAAAAGAAAABQAAACfBgAAxw0AABY0AAAHEAAAECAAACYAAAAIAAAA//////////8="/>
               </a:ext>
             </a:extLst>
           </p:cNvSpPr>
@@ -14856,7 +14856,7 @@
           <p:cNvSpPr txBox="1">
             <a:extLst>
               <a:ext uri="smNativeData">
-                <pr:smNativeData xmlns:pr="smNativeData" val="SMDATA_13_IrKAXRMAAAAlAAAAEgAAAE8BAAAAkAAAAEgAAACQAAAASAAAAAAAAAAAAAAAAAAAAAEAAABQAAAAAAAAAAAA4D8AAAAAAADgPwAAAAAAAOA/AAAAAAAA4D8AAAAAAADgPwAAAAAAAOA/AAAAAAAA4D8AAAAAAADgPwAAAAAAAOA/AAAAAAAA4D8CAAAAjAAAAAAAAAAAAAAAu+DjDP///wgAAAAAAAAAAAAAAAAAAAAAAAAAAAAAAAAAAAAAZAAAAAEAAABAAAAAAAAAAAAAAAAAAAAAAAAAAAAAAAAAAAAAAAAAAAAAAAAAAAAAAAAAAAAAAAAAAAAAAAAAAAAAAAAAAAAAAAAAAAAAAAAAAAAAAAAAAAAAAAAAAAAAFAAAADwAAAAAAAAAAAAAAAAAAAkUAAAAAQAAABQAAAAUAAAAFAAAAAEAAAAAAAAAZAAAAGQAAAAAAAAAZAAAAGQAAAAVAAAAYAAAAAAAAAAAAAAADwAAACADAAAAAAAAAAAAAAEAAACgMgAAVgcAAKr4//8BAAAAf39/AAEAAABkAAAAAAAAABQAAABAHwAAAAAAACYAAAAAAAAAwOD//wAAAAAmAAAAZAAAABYAAABMAAAAAAAAAAAAAAAEAAAAAAAAAAEAAACAgIAKAAAAACgAAAAoAAAAZAAAAGQAAAAAAAAAzMzMAAAAAABQAAAAUAAAAGQAAABkAAAAAAAAABcAAAAUAAAAAAAAANwIAAD/fwAA/38AAAAAAAAJAAAABAAAAPCptwMMAAAAEAAAAAAAAAAAAAAAAAAAAAAAAAAeAAAAaAAAAAAAAAAAAAAAAAAAAAAAAAAAAAAAECcAABAnAAAAAAAAAAAAAAAAAAAAAAAAAAAAAAAAAAAAAAAAAAAAABQAAAAAAAAAwMD/AAAAAABkAAAAMgAAAAAAAABkAAAAAAAAAH9/fwAKAAAAHwAAAFQAAAC74OMF////AQAAAAAAAAAAAAAAAAAAAAAAAAAAAAAAAAAAAAAAAAAAAAAAAn9/fwCAgIADzMzMAMDA/wB/f38AAAAAAAAAAAAAAAAAAAAAAAAAAAAhAAAAGAAAABQAAABqBAAA3hAAABY0AAAeEwAAECAAACYAAAAIAAAA//////////8="/>
+                <pr:smNativeData xmlns:pr="smNativeData" val="SMDATA_13_gcGAXRMAAAAlAAAAEgAAAE8BAAAAkAAAAEgAAACQAAAASAAAAAAAAAAAAAAAAAAAAAEAAABQAAAAAAAAAAAA4D8AAAAAAADgPwAAAAAAAOA/AAAAAAAA4D8AAAAAAADgPwAAAAAAAOA/AAAAAAAA4D8AAAAAAADgPwAAAAAAAOA/AAAAAAAA4D8CAAAAjAAAAAAAAAAAAAAAu+DjDP///wgAAAAAAAAAAAAAAAAAAAAAAAAAAAAAAAAAAAAAZAAAAAEAAABAAAAAAAAAAAAAAAAAAAAAAAAAAAAAAAAAAAAAAAAAAAAAAAAAAAAAAAAAAAAAAAAAAAAAAAAAAAAAAAAAAAAAAAAAAAAAAAAAAAAAAAAAAAAAAAAAAAAAFAAAADwAAAAAAAAAAAAAAAAAAAkUAAAAAQAAABQAAAAUAAAAFAAAAAEAAAAAAAAAZAAAAGQAAAAAAAAAZAAAAGQAAAAVAAAAYAAAAAAAAAAAAAAADwAAACADAAAAAAAAAAAAAAEAAACgMgAAVgcAAKr4//8BAAAAf39/AAEAAABkAAAAAAAAABQAAABAHwAAAAAAACYAAAAAAAAAwOD//wAAAAAmAAAAZAAAABYAAABMAAAAAAAAAAAAAAAEAAAAAAAAAAEAAACAgIAKAAAAACgAAAAoAAAAZAAAAGQAAAAAAAAAzMzMAAAAAABQAAAAUAAAAGQAAABkAAAAAAAAABcAAAAUAAAAAAAAANwIAAD/fwAA/38AAAAAAAAJAAAABAAAAPCptwMMAAAAEAAAAAAAAAAAAAAAAAAAAAAAAAAeAAAAaAAAAAAAAAAAAAAAAAAAAAAAAAAAAAAAECcAABAnAAAAAAAAAAAAAAAAAAAAAAAAAAAAAAAAAAAAAAAAAAAAABQAAAAAAAAAwMD/AAAAAABkAAAAMgAAAAAAAABkAAAAAAAAAH9/fwAKAAAAHwAAAFQAAAC74OMF////AQAAAAAAAAAAAAAAAAAAAAAAAAAAAAAAAAAAAAAAAAAAAAAAAn9/fwCAgIADzMzMAMDA/wB/f38AAAAAAAAAAAAAAAAAAAAAAAAAAAAhAAAAGAAAABQAAABqBAAA3hAAABY0AAAeEwAAECAAACYAAAAIAAAA//////////8="/>
               </a:ext>
             </a:extLst>
           </p:cNvSpPr>
@@ -14902,7 +14902,7 @@
           <p:cNvSpPr>
             <a:extLst>
               <a:ext uri="smNativeData">
-                <pr:smNativeData xmlns:pr="smNativeData" val="SMDATA_13_IrKAXRMAAAAlAAAAZAAAAA8BAAAAkAAAAEgAAACQAAAASAAAAAAAAAAAAAAAAAAAAAEAAABQAAAAAAAAAAAA4D8AAAAAAADgPwAAAAAAAOA/AAAAAAAA4D8AAAAAAADgPwAAAAAAAOA/AAAAAAAA4D8AAAAAAADgPwAAAAAAAOA/AAAAAAAA4D8CAAAAjAAAAAEAAAAAAAAAHh4eAP///wgAAAAAAAAAAAAAAAAAAAAAAAAAAAAAAAAAAAAAZAAAAAEAAABAAAAAAAAAAAAAAAAAAAAAAAAAAAAAAAAAAAAAAAAAAAAAAAAAAAAAAAAAAAAAAAAAAAAAAAAAAAAAAAAAAAAAAAAAAAAAAAAAAAAAAAAAAAAAAAAAAAAAFAAAADwAAAAAAAAAAAAAAAAAAAkAAAAAAQAAAAAAAAAAAAAAAAAAAAAAAAAAAAAAZAAAAGQAAAAAAAAAZAAAAGQAAAAVAAAAYAAAAAAAAAAAAAAADwAAACADAAAAAAAAAAAAAAEAAACgMgAAAAAAAAAAAAABAAAAf39/AAEAAABkAAAAAAAAABQAAABAHwAAAAAAACYAAAAAAAAAwOD//wAAAAAmAAAAZAAAABYAAABMAAAAAAAAAAAAAAAEAAAAAAAAAAEAAACAgIAKAAAAACgAAAAoAAAAZAAAAGQAAAAAAAAAzMzMAAAAAABQAAAAUAAAAGQAAABkAAAAAAAAABcAAAAUAAAAAAAAAAAAAAD/fwAA/38AAAAAAAAJAAAABAAAAAIAAAAMAAAAEAAAAAAAAAAAAAAAAAAAAAAAAAAeAAAAaAAAAAAAAAAAAAAAAAAAAAAAAAAAAAAAECcAABAnAAAAAAAAAAAAAAAAAAAAAAAAAAAAAAAAAAAAAAAAAAAAABQAAAAAAAAAwMD/AAAAAABkAAAAMgAAAAAAAABkAAAAAAAAAH9/fwAKAAAAHwAAAFQAAAAeHh4A////AQAAAAAAAAAAAAAAAAAAAAAAAAAAAAAAAAAAAAAAAAAAAAAAAn9/fwCAgIADzMzMAMDA/wB/f38AAAAAAAAAAAAAAAAAAAAAAAAAAAAhAAAAGAAAABQAAAAAAAAAZQcAAEA4AAC4CAAAEAAAACYAAAAIAAAA//////////8="/>
+                <pr:smNativeData xmlns:pr="smNativeData" val="SMDATA_13_gcGAXRMAAAAlAAAAZAAAAA8BAAAAkAAAAEgAAACQAAAASAAAAAAAAAAAAAAAAAAAAAEAAABQAAAAAAAAAAAA4D8AAAAAAADgPwAAAAAAAOA/AAAAAAAA4D8AAAAAAADgPwAAAAAAAOA/AAAAAAAA4D8AAAAAAADgPwAAAAAAAOA/AAAAAAAA4D8CAAAAjAAAAAEAAAAAAAAAHh4eAP///wgAAAAAAAAAAAAAAAAAAAAAAAAAAAAAAAAAAAAAZAAAAAEAAABAAAAAAAAAAAAAAAAAAAAAAAAAAAAAAAAAAAAAAAAAAAAAAAAAAAAAAAAAAAAAAAAAAAAAAAAAAAAAAAAAAAAAAAAAAAAAAAAAAAAAAAAAAAAAAAAAAAAAFAAAADwAAAAAAAAAAAAAAAAAAAkAAAAAAQAAAAAAAAAAAAAAAAAAAAAAAAAAAAAAZAAAAGQAAAAAAAAAZAAAAGQAAAAVAAAAYAAAAAAAAAAAAAAADwAAACADAAAAAAAAAAAAAAEAAACgMgAAAAAAAAAAAAABAAAAf39/AAEAAABkAAAAAAAAABQAAABAHwAAAAAAACYAAAAAAAAAwOD//wAAAAAmAAAAZAAAABYAAABMAAAAAAAAAAAAAAAEAAAAAAAAAAEAAACAgIAKAAAAACgAAAAoAAAAZAAAAGQAAAAAAAAAzMzMAAAAAABQAAAAUAAAAGQAAABkAAAAAAAAABcAAAAUAAAAAAAAAAAAAAD/fwAA/38AAAAAAAAJAAAABAAAAAIAAAAMAAAAEAAAAAAAAAAAAAAAAAAAAAAAAAAeAAAAaAAAAAAAAAAAAAAAAAAAAAAAAAAAAAAAECcAABAnAAAAAAAAAAAAAAAAAAAAAAAAAAAAAAAAAAAAAAAAAAAAABQAAAAAAAAAwMD/AAAAAABkAAAAMgAAAAAAAABkAAAAAAAAAH9/fwAKAAAAHwAAAFQAAAAeHh4A////AQAAAAAAAAAAAAAAAAAAAAAAAAAAAAAAAAAAAAAAAAAAAAAAAn9/fwCAgIADzMzMAMDA/wB/f38AAAAAAAAAAAAAAAAAAAAAAAAAAAAhAAAAGAAAABQAAAAAAAAAZQcAAEA4AAC4CAAAEAAAACYAAAAIAAAA//////////8="/>
               </a:ext>
             </a:extLst>
           </p:cNvSpPr>
@@ -14931,7 +14931,7 @@
           <p:cNvSpPr txBox="1">
             <a:extLst>
               <a:ext uri="smNativeData">
-                <pr:smNativeData xmlns:pr="smNativeData" val="SMDATA_13_IrKAXRMAAAAlAAAAEgAAAE8BAAAAkAAAAEgAAACQAAAASAAAAAAAAAAAAAAAAAAAAAEAAABQAAAAAAAAAAAA4D8AAAAAAADgPwAAAAAAAOA/AAAAAAAA4D8AAAAAAADgPwAAAAAAAOA/AAAAAAAA4D8AAAAAAADgPwAAAAAAAOA/AAAAAAAA4D8CAAAAjAAAAAAAAAAAAAAAu+DjDP///wgAAAAAAAAAAAAAAAAAAAAAAAAAAAAAAAAAAAAAZAAAAAEAAABAAAAAAAAAAAAAAAAAAAAAAAAAAAAAAAAAAAAAAAAAAAAAAAAAAAAAAAAAAAAAAAAAAAAAAAAAAAAAAAAAAAAAAAAAAAAAAAAAAAAAAAAAAAAAAAAAAAAAFAAAADwAAAAAAAAAAAAAAAAAAAkUAAAAAQAAABQAAAAUAAAAFAAAAAEAAAAAAAAAZAAAAGQAAAAAAAAAZAAAAGQAAAAVAAAAYAAAAAAAAAAAAAAADwAAACADAAAAAAAAAAAAAAEAAACgMgAAVgcAAKr4//8BAAAAf39/AAEAAABkAAAAAAAAABQAAABAHwAAAAAAACYAAAAAAAAAwOD//wAAAAAmAAAAZAAAABYAAABMAAAAAAAAAAAAAAAEAAAAAAAAAAEAAACAgIAKAAAAACgAAAAoAAAAZAAAAGQAAAAAAAAAzMzMAAAAAABQAAAAUAAAAGQAAABkAAAAAAAAABcAAAAUAAAAAAAAANwIAAD/fwAA/38AAAAAAAAJAAAABAAAAGxyIHYMAAAAEAAAAAAAAAAAAAAAAAAAAAAAAAAeAAAAaAAAAAAAAAAAAAAAAAAAAAAAAAAAAAAAECcAABAnAAAAAAAAAAAAAAAAAAAAAAAAAAAAAAAAAAAAAAAAAAAAABQAAAAAAAAAwMD/AAAAAABkAAAAMgAAAAAAAABkAAAAAAAAAH9/fwAKAAAAHwAAAFQAAAC74OMF////AQAAAAAAAAAAAAAAAAAAAAAAAAAAAAAAAAAAAAAAAAAAAAAAAn9/fwCAgIADzMzMAMDA/wB/f38AAAAAAAAAAAAAAAAAAAAAAAAAAAAhAAAAGAAAABQAAABqBAAAbBMAABY0AACsFQAAECAAACYAAAAIAAAA//////////8="/>
+                <pr:smNativeData xmlns:pr="smNativeData" val="SMDATA_13_gcGAXRMAAAAlAAAAEgAAAE8BAAAAkAAAAEgAAACQAAAASAAAAAAAAAAAAAAAAAAAAAEAAABQAAAAAAAAAAAA4D8AAAAAAADgPwAAAAAAAOA/AAAAAAAA4D8AAAAAAADgPwAAAAAAAOA/AAAAAAAA4D8AAAAAAADgPwAAAAAAAOA/AAAAAAAA4D8CAAAAjAAAAAAAAAAAAAAAu+DjDP///wgAAAAAAAAAAAAAAAAAAAAAAAAAAAAAAAAAAAAAZAAAAAEAAABAAAAAAAAAAAAAAAAAAAAAAAAAAAAAAAAAAAAAAAAAAAAAAAAAAAAAAAAAAAAAAAAAAAAAAAAAAAAAAAAAAAAAAAAAAAAAAAAAAAAAAAAAAAAAAAAAAAAAFAAAADwAAAAAAAAAAAAAAAAAAAkUAAAAAQAAABQAAAAUAAAAFAAAAAEAAAAAAAAAZAAAAGQAAAAAAAAAZAAAAGQAAAAVAAAAYAAAAAAAAAAAAAAADwAAACADAAAAAAAAAAAAAAEAAACgMgAAVgcAAKr4//8BAAAAf39/AAEAAABkAAAAAAAAABQAAABAHwAAAAAAACYAAAAAAAAAwOD//wAAAAAmAAAAZAAAABYAAABMAAAAAAAAAAAAAAAEAAAAAAAAAAEAAACAgIAKAAAAACgAAAAoAAAAZAAAAGQAAAAAAAAAzMzMAAAAAABQAAAAUAAAAGQAAABkAAAAAAAAABcAAAAUAAAAAAAAANwIAAD/fwAA/38AAAAAAAAJAAAABAAAAGxyIHYMAAAAEAAAAAAAAAAAAAAAAAAAAAAAAAAeAAAAaAAAAAAAAAAAAAAAAAAAAAAAAAAAAAAAECcAABAnAAAAAAAAAAAAAAAAAAAAAAAAAAAAAAAAAAAAAAAAAAAAABQAAAAAAAAAwMD/AAAAAABkAAAAMgAAAAAAAABkAAAAAAAAAH9/fwAKAAAAHwAAAFQAAAC74OMF////AQAAAAAAAAAAAAAAAAAAAAAAAAAAAAAAAAAAAAAAAAAAAAAAAn9/fwCAgIADzMzMAMDA/wB/f38AAAAAAAAAAAAAAAAAAAAAAAAAAAAhAAAAGAAAABQAAABqBAAAbBMAABY0AACsFQAAECAAACYAAAAIAAAA//////////8="/>
               </a:ext>
             </a:extLst>
           </p:cNvSpPr>
@@ -14979,7 +14979,7 @@
           <p:cNvSpPr txBox="1">
             <a:extLst>
               <a:ext uri="smNativeData">
-                <pr:smNativeData xmlns:pr="smNativeData" val="SMDATA_13_IrKAXRMAAAAlAAAAEgAAAE8BAAAAkAAAAEgAAACQAAAASAAAAAAAAAAAAAAAAAAAAAEAAABQAAAAAAAAAAAA4D8AAAAAAADgPwAAAAAAAOA/AAAAAAAA4D8AAAAAAADgPwAAAAAAAOA/AAAAAAAA4D8AAAAAAADgPwAAAAAAAOA/AAAAAAAA4D8CAAAAjAAAAAAAAAAAAAAAu+DjDP///wgAAAAAAAAAAAAAAAAAAAAAAAAAAAAAAAAAAAAAZAAAAAEAAABAAAAAAAAAAAAAAAAAAAAAAAAAAAAAAAAAAAAAAAAAAAAAAAAAAAAAAAAAAAAAAAAAAAAAAAAAAAAAAAAAAAAAAAAAAAAAAAAAAAAAAAAAAAAAAAAAAAAAFAAAADwAAAAAAAAAAAAAAAAAAAkUAAAAAQAAABQAAAAUAAAAFAAAAAEAAAAAAAAAZAAAAGQAAAAAAAAAZAAAAGQAAAAVAAAAYAAAAAAAAAAAAAAADwAAACADAAAAAAAAAAAAAAEAAACgMgAAVgcAAKr4//8BAAAAf39/AAEAAABkAAAAAAAAABQAAABAHwAAAAAAACYAAAAAAAAAwOD//wAAAAAmAAAAZAAAABYAAABMAAAAAAAAAAAAAAAEAAAAAAAAAAEAAACAgIAKAAAAACgAAAAoAAAAZAAAAGQAAAAAAAAAzMzMAAAAAABQAAAAUAAAAGQAAABkAAAAAAAAABcAAAAUAAAAAAAAANwIAAD/fwAA/38AAAAAAAAJAAAABAAAAHlsZT4MAAAAEAAAAAAAAAAAAAAAAAAAAAAAAAAeAAAAaAAAAAAAAAAAAAAAAAAAAAAAAAAAAAAAECcAABAnAAAAAAAAAAAAAAAAAAAAAAAAAAAAAAAAAAAAAAAAAAAAABQAAAAAAAAAwMD/AAAAAABkAAAAMgAAAAAAAABkAAAAAAAAAH9/fwAKAAAAHwAAAFQAAAC74OMF////AQAAAAAAAAAAAAAAAAAAAAAAAAAAAAAAAAAAAAAAAAAAAAAAAn9/fwCAgIADzMzMAMDA/wB/f38AAAAAAAAAAAAAAAAAAAAAAAAAAAAhAAAAGAAAABQAAACfBgAA4BUAABY0AAAgGAAAECAAACYAAAAIAAAA//////////8="/>
+                <pr:smNativeData xmlns:pr="smNativeData" val="SMDATA_13_gcGAXRMAAAAlAAAAEgAAAE8BAAAAkAAAAEgAAACQAAAASAAAAAAAAAAAAAAAAAAAAAEAAABQAAAAAAAAAAAA4D8AAAAAAADgPwAAAAAAAOA/AAAAAAAA4D8AAAAAAADgPwAAAAAAAOA/AAAAAAAA4D8AAAAAAADgPwAAAAAAAOA/AAAAAAAA4D8CAAAAjAAAAAAAAAAAAAAAu+DjDP///wgAAAAAAAAAAAAAAAAAAAAAAAAAAAAAAAAAAAAAZAAAAAEAAABAAAAAAAAAAAAAAAAAAAAAAAAAAAAAAAAAAAAAAAAAAAAAAAAAAAAAAAAAAAAAAAAAAAAAAAAAAAAAAAAAAAAAAAAAAAAAAAAAAAAAAAAAAAAAAAAAAAAAFAAAADwAAAAAAAAAAAAAAAAAAAkUAAAAAQAAABQAAAAUAAAAFAAAAAEAAAAAAAAAZAAAAGQAAAAAAAAAZAAAAGQAAAAVAAAAYAAAAAAAAAAAAAAADwAAACADAAAAAAAAAAAAAAEAAACgMgAAVgcAAKr4//8BAAAAf39/AAEAAABkAAAAAAAAABQAAABAHwAAAAAAACYAAAAAAAAAwOD//wAAAAAmAAAAZAAAABYAAABMAAAAAAAAAAAAAAAEAAAAAAAAAAEAAACAgIAKAAAAACgAAAAoAAAAZAAAAGQAAAAAAAAAzMzMAAAAAABQAAAAUAAAAGQAAABkAAAAAAAAABcAAAAUAAAAAAAAANwIAAD/fwAA/38AAAAAAAAJAAAABAAAAHlsZT4MAAAAEAAAAAAAAAAAAAAAAAAAAAAAAAAeAAAAaAAAAAAAAAAAAAAAAAAAAAAAAAAAAAAAECcAABAnAAAAAAAAAAAAAAAAAAAAAAAAAAAAAAAAAAAAAAAAAAAAABQAAAAAAAAAwMD/AAAAAABkAAAAMgAAAAAAAABkAAAAAAAAAH9/fwAKAAAAHwAAAFQAAAC74OMF////AQAAAAAAAAAAAAAAAAAAAAAAAAAAAAAAAAAAAAAAAAAAAAAAAn9/fwCAgIADzMzMAMDA/wB/f38AAAAAAAAAAAAAAAAAAAAAAAAAAAAhAAAAGAAAABQAAACfBgAA4BUAABY0AAAgGAAAECAAACYAAAAIAAAA//////////8="/>
               </a:ext>
             </a:extLst>
           </p:cNvSpPr>
@@ -15065,7 +15065,7 @@
           <p:cNvSpPr>
             <a:extLst>
               <a:ext uri="smNativeData">
-                <pr:smNativeData xmlns:pr="smNativeData" val="SMDATA_13_IrKAXRMAAAAlAAAAZAAAAA8BAAAAkAAAAEgAAACQAAAASAAAAAAAAAABAAAAAAAAAAEAAABQAAAAAAAAAAAA4D8AAAAAAADgPwAAAAAAAOA/AAAAAAAA4D8AAAAAAADgPwAAAAAAAOA/AAAAAAAA4D8AAAAAAADgPwAAAAAAAOA/AAAAAAAA4D8CAAAAjAAAAAAAAAAAAAAAu+DjDP///wgAAAAAAAAAAAAAAAAAAAAAAAAAAAAAAAAAAAAAZAAAAAEAAABAAAAAAAAAAAAAAAAAAAAAAAAAAAAAAAAAAAAAAAAAAAAAAAAAAAAAAAAAAAAAAAAAAAAAAAAAAAAAAAAAAAAAAAAAAAAAAAAAAAAAAAAAAAAAAAAAAAAAFAAAADwAAAAAAAAAAAAAAAAAAAkUAAAAAQAAABQAAAAUAAAAFAAAAAEAAAAAAAAAZAAAAGQAAAAAAAAAZAAAAGQAAAAVAAAAYAAAAAAAAAAAAAAADwAAACADAAAAAAAAAAAAAAEAAACgMgAAVgcAAKr4//8BAAAAf39/AAEAAABkAAAAAAAAABQAAABAHwAAAAAAACYAAAAAAAAAwOD//wAAAAAmAAAAZAAAABYAAABMAAAAAAAAAAAAAAAEAAAAAAAAAAEAAACAgIAKAAAAACgAAAAoAAAAZAAAAGQAAAAAAAAAzMzMAAAAAABQAAAAUAAAAGQAAABkAAAAAAAAABcAAAAUAAAAAAAAAAAAAAD/fwAA/38AAAAAAAAJAAAABAAAAAAAAAAMAAAAEAAAAAAAAAAAAAAAAAAAAAAAAAAeAAAAaAAAAAAAAAAAAAAAAAAAAAAAAAAAAAAAECcAABAnAAAAAAAAAAAAAAAAAAAAAAAAAAAAAAAAAAAAAAAAAAAAABQAAAAAAAAAwMD/AAAAAABkAAAAMgAAAAAAAABkAAAAAAAAAH9/fwAKAAAAHwAAAFQAAAC74OMF////AQAAAAAAAAAAAAAAAAAAAAAAAAAAAAAAAAAAAAAAAAAAAAAAAn9/fwCAgIADzMzMAMDA/wB/f38AAAAAAAAAAAAAAAAAAAAAAAAAAAAhAAAAGAAAABQAAABqBAAAiAMAABY0AAAoBwAAEAAAACYAAAAIAAAA//////////8="/>
+                <pr:smNativeData xmlns:pr="smNativeData" val="SMDATA_13_gcGAXRMAAAAlAAAAZAAAAA8BAAAAkAAAAEgAAACQAAAASAAAAAAAAAABAAAAAAAAAAEAAABQAAAAAAAAAAAA4D8AAAAAAADgPwAAAAAAAOA/AAAAAAAA4D8AAAAAAADgPwAAAAAAAOA/AAAAAAAA4D8AAAAAAADgPwAAAAAAAOA/AAAAAAAA4D8CAAAAjAAAAAAAAAAAAAAAu+DjDP///wgAAAAAAAAAAAAAAAAAAAAAAAAAAAAAAAAAAAAAZAAAAAEAAABAAAAAAAAAAAAAAAAAAAAAAAAAAAAAAAAAAAAAAAAAAAAAAAAAAAAAAAAAAAAAAAAAAAAAAAAAAAAAAAAAAAAAAAAAAAAAAAAAAAAAAAAAAAAAAAAAAAAAFAAAADwAAAAAAAAAAAAAAAAAAAkUAAAAAQAAABQAAAAUAAAAFAAAAAEAAAAAAAAAZAAAAGQAAAAAAAAAZAAAAGQAAAAVAAAAYAAAAAAAAAAAAAAADwAAACADAAAAAAAAAAAAAAEAAACgMgAAVgcAAKr4//8BAAAAf39/AAEAAABkAAAAAAAAABQAAABAHwAAAAAAACYAAAAAAAAAwOD//wAAAAAmAAAAZAAAABYAAABMAAAAAAAAAAAAAAAEAAAAAAAAAAEAAACAgIAKAAAAACgAAAAoAAAAZAAAAGQAAAAAAAAAzMzMAAAAAABQAAAAUAAAAGQAAABkAAAAAAAAABcAAAAUAAAAAAAAAAAAAAD/fwAA/38AAAAAAAAJAAAABAAAAAAAAAAMAAAAEAAAAAAAAAAAAAAAAAAAAAAAAAAeAAAAaAAAAAAAAAAAAAAAAAAAAAAAAAAAAAAAECcAABAnAAAAAAAAAAAAAAAAAAAAAAAAAAAAAAAAAAAAAAAAAAAAABQAAAAAAAAAwMD/AAAAAABkAAAAMgAAAAAAAABkAAAAAAAAAH9/fwAKAAAAHwAAAFQAAAC74OMF////AQAAAAAAAAAAAAAAAAAAAAAAAAAAAAAAAAAAAAAAAAAAAAAAAn9/fwCAgIADzMzMAMDA/wB/f38AAAAAAAAAAAAAAAAAAAAAAAAAAAAhAAAAGAAAABQAAABqBAAAiAMAABY0AAAoBwAAEAAAACYAAAAIAAAA//////////8="/>
               </a:ext>
             </a:extLst>
           </p:cNvSpPr>
@@ -15111,7 +15111,7 @@
           <p:cNvSpPr txBox="1">
             <a:extLst>
               <a:ext uri="smNativeData">
-                <pr:smNativeData xmlns:pr="smNativeData" val="SMDATA_13_IrKAXRMAAAAlAAAAEgAAAE8BAAAAkAAAAEgAAACQAAAASAAAAAAAAAAAAAAAAAAAAAEAAABQAAAAAAAAAAAA4D8AAAAAAADgPwAAAAAAAOA/AAAAAAAA4D8AAAAAAADgPwAAAAAAAOA/AAAAAAAA4D8AAAAAAADgPwAAAAAAAOA/AAAAAAAA4D8CAAAAjAAAAAAAAAAAAAAAu+DjDP///wgAAAAAAAAAAAAAAAAAAAAAAAAAAAAAAAAAAAAAZAAAAAEAAABAAAAAAAAAAAAAAAAAAAAAAAAAAAAAAAAAAAAAAAAAAAAAAAAAAAAAAAAAAAAAAAAAAAAAAAAAAAAAAAAAAAAAAAAAAAAAAAAAAAAAAAAAAAAAAAAAAAAAFAAAADwAAAAAAAAAAAAAAAAAAAkUAAAAAQAAABQAAAAUAAAAFAAAAAEAAAAAAAAAZAAAAGQAAAAAAAAAZAAAAGQAAAAVAAAAYAAAAAAAAAAAAAAADwAAACADAAAAAAAAAAAAAAEAAACgMgAAVgcAAKr4//8BAAAAf39/AAEAAABkAAAAAAAAABQAAABAHwAAAAAAACYAAAAAAAAAwOD//wAAAAAmAAAAZAAAABYAAABMAAAAAAAAAAAAAAAEAAAAAAAAAAEAAACAgIAKAAAAACgAAAAoAAAAZAAAAGQAAAAAAAAAzMzMAAAAAABQAAAAUAAAAGQAAABkAAAAAAAAABcAAAAUAAAAAAAAANwIAAD/fwAA/38AAAAAAAAJAAAABAAAAAAAAAAMAAAAEAAAAAAAAAAAAAAAAAAAAAAAAAAeAAAAaAAAAAAAAAAAAAAAAAAAAAAAAAAAAAAAECcAABAnAAAAAAAAAAAAAAAAAAAAAAAAAAAAAAAAAAAAAAAAAAAAABQAAAAAAAAAwMD/AAAAAABkAAAAMgAAAAAAAABkAAAAAAAAAH9/fwAKAAAAHwAAAFQAAAC74OMF////AQAAAAAAAAAAAAAAAAAAAAAAAAAAAAAAAAAAAAAAAAAAAAAAAn9/fwCAgIADzMzMAMDA/wB/f38AAAAAAAAAAAAAAAAAAAAAAAAAAAAhAAAAGAAAABQAAABqBAAA5wcAABY0AAAnCgAAECAAACYAAAAIAAAA//////////8="/>
+                <pr:smNativeData xmlns:pr="smNativeData" val="SMDATA_13_gcGAXRMAAAAlAAAAEgAAAE8BAAAAkAAAAEgAAACQAAAASAAAAAAAAAAAAAAAAAAAAAEAAABQAAAAAAAAAAAA4D8AAAAAAADgPwAAAAAAAOA/AAAAAAAA4D8AAAAAAADgPwAAAAAAAOA/AAAAAAAA4D8AAAAAAADgPwAAAAAAAOA/AAAAAAAA4D8CAAAAjAAAAAAAAAAAAAAAu+DjDP///wgAAAAAAAAAAAAAAAAAAAAAAAAAAAAAAAAAAAAAZAAAAAEAAABAAAAAAAAAAAAAAAAAAAAAAAAAAAAAAAAAAAAAAAAAAAAAAAAAAAAAAAAAAAAAAAAAAAAAAAAAAAAAAAAAAAAAAAAAAAAAAAAAAAAAAAAAAAAAAAAAAAAAFAAAADwAAAAAAAAAAAAAAAAAAAkUAAAAAQAAABQAAAAUAAAAFAAAAAEAAAAAAAAAZAAAAGQAAAAAAAAAZAAAAGQAAAAVAAAAYAAAAAAAAAAAAAAADwAAACADAAAAAAAAAAAAAAEAAACgMgAAVgcAAKr4//8BAAAAf39/AAEAAABkAAAAAAAAABQAAABAHwAAAAAAACYAAAAAAAAAwOD//wAAAAAmAAAAZAAAABYAAABMAAAAAAAAAAAAAAAEAAAAAAAAAAEAAACAgIAKAAAAACgAAAAoAAAAZAAAAGQAAAAAAAAAzMzMAAAAAABQAAAAUAAAAGQAAABkAAAAAAAAABcAAAAUAAAAAAAAANwIAAD/fwAA/38AAAAAAAAJAAAABAAAAAAAAAAMAAAAEAAAAAAAAAAAAAAAAAAAAAAAAAAeAAAAaAAAAAAAAAAAAAAAAAAAAAAAAAAAAAAAECcAABAnAAAAAAAAAAAAAAAAAAAAAAAAAAAAAAAAAAAAAAAAAAAAABQAAAAAAAAAwMD/AAAAAABkAAAAMgAAAAAAAABkAAAAAAAAAH9/fwAKAAAAHwAAAFQAAAC74OMF////AQAAAAAAAAAAAAAAAAAAAAAAAAAAAAAAAAAAAAAAAAAAAAAAAn9/fwCAgIADzMzMAMDA/wB/f38AAAAAAAAAAAAAAAAAAAAAAAAAAAAhAAAAGAAAABQAAABqBAAA5wcAABY0AAAnCgAAECAAACYAAAAIAAAA//////////8="/>
               </a:ext>
             </a:extLst>
           </p:cNvSpPr>
@@ -15226,7 +15226,7 @@
                 </a:tc>
                 <a:extLst>
                   <a:ext uri="smNativeData">
-                    <pr:rowheight xmlns="" xmlns:pr="smNativeData" dt="1568715298" type="min" val="661035"/>
+                    <pr:rowheight xmlns="" xmlns:pr="smNativeData" dt="1568719233" type="min" val="661035"/>
                   </a:ext>
                 </a:extLst>
               </a:tr>
@@ -15287,7 +15287,7 @@
                 </a:tc>
                 <a:extLst>
                   <a:ext uri="smNativeData">
-                    <pr:rowheight xmlns="" xmlns:pr="smNativeData" dt="1568715298" type="min" val="1014730"/>
+                    <pr:rowheight xmlns="" xmlns:pr="smNativeData" dt="1568719233" type="min" val="1014730"/>
                   </a:ext>
                 </a:extLst>
               </a:tr>
@@ -15388,7 +15388,7 @@
                 </a:tc>
                 <a:extLst>
                   <a:ext uri="smNativeData">
-                    <pr:rowheight xmlns="" xmlns:pr="smNativeData" dt="1568715298" type="min" val="1268095"/>
+                    <pr:rowheight xmlns="" xmlns:pr="smNativeData" dt="1568719233" type="min" val="1268095"/>
                   </a:ext>
                 </a:extLst>
               </a:tr>
@@ -15402,7 +15402,7 @@
           <p:cNvSpPr txBox="1">
             <a:extLst>
               <a:ext uri="smNativeData">
-                <pr:smNativeData xmlns:pr="smNativeData" val="SMDATA_13_IrKAXRMAAAAlAAAAEgAAAE8BAAAAkAAAAEgAAACQAAAASAAAAAAAAAAAAAAAAAAAAAEAAABQAAAAAAAAAAAA4D8AAAAAAADgPwAAAAAAAOA/AAAAAAAA4D8AAAAAAADgPwAAAAAAAOA/AAAAAAAA4D8AAAAAAADgPwAAAAAAAOA/AAAAAAAA4D8CAAAAjAAAAAEAAAAAAAAAhlHdAP///wgAAAAAAAAAAAAAAAAAAAAAAAAAAAAAAAAAAAAAZAAAAAEAAABAAAAAAAAAAAAAAAAAAAAAAAAAAAAAAAAAAAAAAAAAAAAAAAAAAAAAAAAAAAAAAAAAAAAAAAAAAAAAAAAAAAAAAAAAAAAAAAAAAAAAAAAAAAAAAAAAAAAAFAAAADwAAAAAAAAAAAAAAAAAAAkUAAAAAQAAABQAAAAUAAAAFAAAAAEAAAAAAAAAZAAAAGQAAAAAAAAAZAAAAGQAAAAVAAAAYAAAAAAAAAAAAAAADwAAACADAAAAAAAAAAAAAAEAAACgMgAAAAAAAAAAAAABAAAAf39/AAEAAABkAAAAAAAAABQAAABAHwAAAAAAACYAAAAAAAAAwOD//wAAAAAmAAAAZAAAABYAAABMAAAAAAAAAAAAAAAEAAAAAAAAAAEAAACAgIAKAAAAACgAAAAoAAAAZAAAAGQAAAAAAAAAzMzMAAAAAABQAAAAUAAAAGQAAABkAAAAAAAAABcAAAAUAAAAAAAAANwIAAD/fwAA/38AAAAAAAAJAAAABAAAAGkAYwAMAAAAEAAAAAAAAAAAAAAAAAAAAAAAAAAeAAAAaAAAAAAAAAAAAAAAAAAAAAAAAAAAAAAAECcAABAnAAAAAAAAAAAAAAAAAAAAAAAAAAAAAAAAAAAAAAAAAAAAABQAAAAAAAAAwMD/AAAAAABkAAAAMgAAAAAAAABkAAAAAAAAAH9/fwAKAAAAHwAAAFQAAACGUd0A////AQAAAAAAAAAAAAAAAAAAAAAAAAAAAAAAAAAAAAAAAAAAAAAAAn9/fwCAgIADzMzMAMDA/wB/f38AAAAAAAAAAAAAAAAAAAAAAAAAAAAhAAAAGAAAABQAAAD0BQAAhg4AALkLAADGEAAAECAAACYAAAAIAAAA//////////8="/>
+                <pr:smNativeData xmlns:pr="smNativeData" val="SMDATA_13_gcGAXRMAAAAlAAAAEgAAAE8BAAAAkAAAAEgAAACQAAAASAAAAAAAAAAAAAAAAAAAAAEAAABQAAAAAAAAAAAA4D8AAAAAAADgPwAAAAAAAOA/AAAAAAAA4D8AAAAAAADgPwAAAAAAAOA/AAAAAAAA4D8AAAAAAADgPwAAAAAAAOA/AAAAAAAA4D8CAAAAjAAAAAEAAAAAAAAAhlHdAP///wgAAAAAAAAAAAAAAAAAAAAAAAAAAAAAAAAAAAAAZAAAAAEAAABAAAAAAAAAAAAAAAAAAAAAAAAAAAAAAAAAAAAAAAAAAAAAAAAAAAAAAAAAAAAAAAAAAAAAAAAAAAAAAAAAAAAAAAAAAAAAAAAAAAAAAAAAAAAAAAAAAAAAFAAAADwAAAAAAAAAAAAAAAAAAAkUAAAAAQAAABQAAAAUAAAAFAAAAAEAAAAAAAAAZAAAAGQAAAAAAAAAZAAAAGQAAAAVAAAAYAAAAAAAAAAAAAAADwAAACADAAAAAAAAAAAAAAEAAACgMgAAAAAAAAAAAAABAAAAf39/AAEAAABkAAAAAAAAABQAAABAHwAAAAAAACYAAAAAAAAAwOD//wAAAAAmAAAAZAAAABYAAABMAAAAAAAAAAAAAAAEAAAAAAAAAAEAAACAgIAKAAAAACgAAAAoAAAAZAAAAGQAAAAAAAAAzMzMAAAAAABQAAAAUAAAAGQAAABkAAAAAAAAABcAAAAUAAAAAAAAANwIAAD/fwAA/38AAAAAAAAJAAAABAAAAGkAYwAMAAAAEAAAAAAAAAAAAAAAAAAAAAAAAAAeAAAAaAAAAAAAAAAAAAAAAAAAAAAAAAAAAAAAECcAABAnAAAAAAAAAAAAAAAAAAAAAAAAAAAAAAAAAAAAAAAAAAAAABQAAAAAAAAAwMD/AAAAAABkAAAAMgAAAAAAAABkAAAAAAAAAH9/fwAKAAAAHwAAAFQAAACGUd0A////AQAAAAAAAAAAAAAAAAAAAAAAAAAAAAAAAAAAAAAAAAAAAAAAAn9/fwCAgIADzMzMAMDA/wB/f38AAAAAAAAAAAAAAAAAAAAAAAAAAAAhAAAAGAAAABQAAAD0BQAAhg4AALkLAADGEAAAECAAACYAAAAIAAAA//////////8="/>
               </a:ext>
             </a:extLst>
           </p:cNvSpPr>
@@ -15447,7 +15447,7 @@
           <p:cNvSpPr txBox="1">
             <a:extLst>
               <a:ext uri="smNativeData">
-                <pr:smNativeData xmlns:pr="smNativeData" val="SMDATA_13_IrKAXRMAAAAlAAAAEgAAAE8BAAAAkAAAAEgAAACQAAAASAAAAAAAAAAAAAAAAAAAAAEAAABQAAAAAAAAAAAA4D8AAAAAAADgPwAAAAAAAOA/AAAAAAAA4D8AAAAAAADgPwAAAAAAAOA/AAAAAAAA4D8AAAAAAADgPwAAAAAAAOA/AAAAAAAA4D8CAAAAjAAAAAEAAAAAAAAAhlHdAP///wgAAAAAAAAAAAAAAAAAAAAAAAAAAAAAAAAAAAAAZAAAAAEAAABAAAAAAAAAAAAAAAAAAAAAAAAAAAAAAAAAAAAAAAAAAAAAAAAAAAAAAAAAAAAAAAAAAAAAAAAAAAAAAAAAAAAAAAAAAAAAAAAAAAAAAAAAAAAAAAAAAAAAFAAAADwAAAAAAAAAAAAAAAAAAAkUAAAAAQAAABQAAAAUAAAAFAAAAAEAAAAAAAAAZAAAAGQAAAAAAAAAZAAAAGQAAAAVAAAAYAAAAAAAAAAAAAAADwAAACADAAAAAAAAAAAAAAEAAACgMgAAAAAAAAAAAAABAAAAf39/AAEAAABkAAAAAAAAABQAAABAHwAAAAAAACYAAAAAAAAAwOD//wAAAAAmAAAAZAAAABYAAABMAAAAAAAAAAAAAAAEAAAAAAAAAAEAAACAgIAKAAAAACgAAAAoAAAAZAAAAGQAAAAAAAAAzMzMAAAAAABQAAAAUAAAAGQAAABkAAAAAAAAABcAAAAUAAAAAAAAANwIAAD/fwAA/38AAAAAAAAJAAAABAAAAAAAAAAMAAAAEAAAAAAAAAAAAAAAAAAAAAAAAAAeAAAAaAAAAAAAAAAAAAAAAAAAAAAAAAAAAAAAECcAABAnAAAAAAAAAAAAAAAAAAAAAAAAAAAAAAAAAAAAAAAAAAAAABQAAAAAAAAAwMD/AAAAAABkAAAAMgAAAAAAAABkAAAAAAAAAH9/fwAKAAAAHwAAAFQAAACGUd0A////AQAAAAAAAAAAAAAAAAAAAAAAAAAAAAAAAAAAAAAAAAAAAAAAAn9/fwCAgIADzMzMAMDA/wB/f38AAAAAAAAAAAAAAAAAAAAAAAAAAAAhAAAAGAAAABQAAABQEgAAhg4AABUYAADGEAAAECAAACYAAAAIAAAA//////////8="/>
+                <pr:smNativeData xmlns:pr="smNativeData" val="SMDATA_13_gcGAXRMAAAAlAAAAEgAAAE8BAAAAkAAAAEgAAACQAAAASAAAAAAAAAAAAAAAAAAAAAEAAABQAAAAAAAAAAAA4D8AAAAAAADgPwAAAAAAAOA/AAAAAAAA4D8AAAAAAADgPwAAAAAAAOA/AAAAAAAA4D8AAAAAAADgPwAAAAAAAOA/AAAAAAAA4D8CAAAAjAAAAAEAAAAAAAAAhlHdAP///wgAAAAAAAAAAAAAAAAAAAAAAAAAAAAAAAAAAAAAZAAAAAEAAABAAAAAAAAAAAAAAAAAAAAAAAAAAAAAAAAAAAAAAAAAAAAAAAAAAAAAAAAAAAAAAAAAAAAAAAAAAAAAAAAAAAAAAAAAAAAAAAAAAAAAAAAAAAAAAAAAAAAAFAAAADwAAAAAAAAAAAAAAAAAAAkUAAAAAQAAABQAAAAUAAAAFAAAAAEAAAAAAAAAZAAAAGQAAAAAAAAAZAAAAGQAAAAVAAAAYAAAAAAAAAAAAAAADwAAACADAAAAAAAAAAAAAAEAAACgMgAAAAAAAAAAAAABAAAAf39/AAEAAABkAAAAAAAAABQAAABAHwAAAAAAACYAAAAAAAAAwOD//wAAAAAmAAAAZAAAABYAAABMAAAAAAAAAAAAAAAEAAAAAAAAAAEAAACAgIAKAAAAACgAAAAoAAAAZAAAAGQAAAAAAAAAzMzMAAAAAABQAAAAUAAAAGQAAABkAAAAAAAAABcAAAAUAAAAAAAAANwIAAD/fwAA/38AAAAAAAAJAAAABAAAAAAAAAAMAAAAEAAAAAAAAAAAAAAAAAAAAAAAAAAeAAAAaAAAAAAAAAAAAAAAAAAAAAAAAAAAAAAAECcAABAnAAAAAAAAAAAAAAAAAAAAAAAAAAAAAAAAAAAAAAAAAAAAABQAAAAAAAAAwMD/AAAAAABkAAAAMgAAAAAAAABkAAAAAAAAAH9/fwAKAAAAHwAAAFQAAACGUd0A////AQAAAAAAAAAAAAAAAAAAAAAAAAAAAAAAAAAAAAAAAAAAAAAAAn9/fwCAgIADzMzMAMDA/wB/f38AAAAAAAAAAAAAAAAAAAAAAAAAAAAhAAAAGAAAABQAAABQEgAAhg4AABUYAADGEAAAECAAACYAAAAIAAAA//////////8="/>
               </a:ext>
             </a:extLst>
           </p:cNvSpPr>
@@ -15492,7 +15492,7 @@
           <p:cNvSpPr txBox="1">
             <a:extLst>
               <a:ext uri="smNativeData">
-                <pr:smNativeData xmlns:pr="smNativeData" val="SMDATA_13_IrKAXRMAAAAlAAAAEgAAAE8BAAAAkAAAAEgAAACQAAAASAAAAAAAAAAAAAAAAAAAAAEAAABQAAAAAAAAAAAA4D8AAAAAAADgPwAAAAAAAOA/AAAAAAAA4D8AAAAAAADgPwAAAAAAAOA/AAAAAAAA4D8AAAAAAADgPwAAAAAAAOA/AAAAAAAA4D8CAAAAjAAAAAEAAAAAAAAAhlHdAP///wgAAAAAAAAAAAAAAAAAAAAAAAAAAAAAAAAAAAAAZAAAAAEAAABAAAAAAAAAAAAAAAAAAAAAAAAAAAAAAAAAAAAAAAAAAAAAAAAAAAAAAAAAAAAAAAAAAAAAAAAAAAAAAAAAAAAAAAAAAAAAAAAAAAAAAAAAAAAAAAAAAAAAFAAAADwAAAAAAAAAAAAAAAAAAAkUAAAAAQAAABQAAAAUAAAAFAAAAAEAAAAAAAAAZAAAAGQAAAAAAAAAZAAAAGQAAAAVAAAAYAAAAAAAAAAAAAAADwAAACADAAAAAAAAAAAAAAEAAACgMgAAAAAAAAAAAAABAAAAf39/AAEAAABkAAAAAAAAABQAAABAHwAAAAAAACYAAAAAAAAAwOD//wAAAAAmAAAAZAAAABYAAABMAAAAAAAAAAAAAAAEAAAAAAAAAAEAAACAgIAKAAAAACgAAAAoAAAAZAAAAGQAAAAAAAAAzMzMAAAAAABQAAAAUAAAAGQAAABkAAAAAAAAABcAAAAUAAAAAAAAANwIAAD/fwAA/38AAAAAAAAJAAAABAAAAAAAAAAMAAAAEAAAAAAAAAAAAAAAAAAAAAAAAAAeAAAAaAAAAAAAAAAAAAAAAAAAAAAAAAAAAAAAECcAABAnAAAAAAAAAAAAAAAAAAAAAAAAAAAAAAAAAAAAAAAAAAAAABQAAAAAAAAAwMD/AAAAAABkAAAAMgAAAAAAAABkAAAAAAAAAH9/fwAKAAAAHwAAAFQAAACGUd0A////AQAAAAAAAAAAAAAAAAAAAAAAAAAAAAAAAAAAAAAAAAAAAAAAAn9/fwCAgIADzMzMAMDA/wB/f38AAAAAAAAAAAAAAAAAAAAAAAAAAAAhAAAAGAAAABQAAAAiDAAAkQ4AAOcRAADREAAAECAAACYAAAAIAAAA//////////8="/>
+                <pr:smNativeData xmlns:pr="smNativeData" val="SMDATA_13_gcGAXRMAAAAlAAAAEgAAAE8BAAAAkAAAAEgAAACQAAAASAAAAAAAAAAAAAAAAAAAAAEAAABQAAAAAAAAAAAA4D8AAAAAAADgPwAAAAAAAOA/AAAAAAAA4D8AAAAAAADgPwAAAAAAAOA/AAAAAAAA4D8AAAAAAADgPwAAAAAAAOA/AAAAAAAA4D8CAAAAjAAAAAEAAAAAAAAAhlHdAP///wgAAAAAAAAAAAAAAAAAAAAAAAAAAAAAAAAAAAAAZAAAAAEAAABAAAAAAAAAAAAAAAAAAAAAAAAAAAAAAAAAAAAAAAAAAAAAAAAAAAAAAAAAAAAAAAAAAAAAAAAAAAAAAAAAAAAAAAAAAAAAAAAAAAAAAAAAAAAAAAAAAAAAFAAAADwAAAAAAAAAAAAAAAAAAAkUAAAAAQAAABQAAAAUAAAAFAAAAAEAAAAAAAAAZAAAAGQAAAAAAAAAZAAAAGQAAAAVAAAAYAAAAAAAAAAAAAAADwAAACADAAAAAAAAAAAAAAEAAACgMgAAAAAAAAAAAAABAAAAf39/AAEAAABkAAAAAAAAABQAAABAHwAAAAAAACYAAAAAAAAAwOD//wAAAAAmAAAAZAAAABYAAABMAAAAAAAAAAAAAAAEAAAAAAAAAAEAAACAgIAKAAAAACgAAAAoAAAAZAAAAGQAAAAAAAAAzMzMAAAAAABQAAAAUAAAAGQAAABkAAAAAAAAABcAAAAUAAAAAAAAANwIAAD/fwAA/38AAAAAAAAJAAAABAAAAAAAAAAMAAAAEAAAAAAAAAAAAAAAAAAAAAAAAAAeAAAAaAAAAAAAAAAAAAAAAAAAAAAAAAAAAAAAECcAABAnAAAAAAAAAAAAAAAAAAAAAAAAAAAAAAAAAAAAAAAAAAAAABQAAAAAAAAAwMD/AAAAAABkAAAAMgAAAAAAAABkAAAAAAAAAH9/fwAKAAAAHwAAAFQAAACGUd0A////AQAAAAAAAAAAAAAAAAAAAAAAAAAAAAAAAAAAAAAAAAAAAAAAAn9/fwCAgIADzMzMAMDA/wB/f38AAAAAAAAAAAAAAAAAAAAAAAAAAAAhAAAAGAAAABQAAAAiDAAAkQ4AAOcRAADREAAAECAAACYAAAAIAAAA//////////8="/>
               </a:ext>
             </a:extLst>
           </p:cNvSpPr>
@@ -15537,7 +15537,7 @@
           <p:cNvSpPr txBox="1">
             <a:extLst>
               <a:ext uri="smNativeData">
-                <pr:smNativeData xmlns:pr="smNativeData" val="SMDATA_13_IrKAXRMAAAAlAAAAEgAAAE8BAAAAkAAAAEgAAACQAAAASAAAAAAAAAAAAAAAAAAAAAEAAABQAAAAAAAAAAAA4D8AAAAAAADgPwAAAAAAAOA/AAAAAAAA4D8AAAAAAADgPwAAAAAAAOA/AAAAAAAA4D8AAAAAAADgPwAAAAAAAOA/AAAAAAAA4D8CAAAAjAAAAAEAAAAAAAAAhlHdAP///wgAAAAAAAAAAAAAAAAAAAAAAAAAAAAAAAAAAAAAZAAAAAEAAABAAAAAAAAAAAAAAAAAAAAAAAAAAAAAAAAAAAAAAAAAAAAAAAAAAAAAAAAAAAAAAAAAAAAAAAAAAAAAAAAAAAAAAAAAAAAAAAAAAAAAAAAAAAAAAAAAAAAAFAAAADwAAAAAAAAAAAAAAAAAAAkUAAAAAQAAABQAAAAUAAAAFAAAAAEAAAAAAAAAZAAAAGQAAAAAAAAAZAAAAGQAAAAVAAAAYAAAAAAAAAAAAAAADwAAACADAAAAAAAAAAAAAAEAAACgMgAAAAAAAAAAAAABAAAAf39/AAEAAABkAAAAAAAAABQAAABAHwAAAAAAACYAAAAAAAAAwOD//wAAAAAmAAAAZAAAABYAAABMAAAAAAAAAAAAAAAEAAAAAAAAAAEAAACAgIAKAAAAACgAAAAoAAAAZAAAAGQAAAAAAAAAzMzMAAAAAABQAAAAUAAAAGQAAABkAAAAAAAAABcAAAAUAAAAAAAAANwIAAD/fwAA/38AAAAAAAAJAAAABAAAAAAAAAAMAAAAEAAAAAAAAAAAAAAAAAAAAAAAAAAeAAAAaAAAAAAAAAAAAAAAAAAAAAAAAAAAAAAAECcAABAnAAAAAAAAAAAAAAAAAAAAAAAAAAAAAAAAAAAAAAAAAAAAABQAAAAAAAAAwMD/AAAAAABkAAAAMgAAAAAAAABkAAAAAAAAAH9/fwAKAAAAHwAAAFQAAACGUd0A////AQAAAAAAAAAAAAAAAAAAAAAAAAAAAAAAAAAAAAAAAAAAAAAAAn9/fwCAgIADzMzMAMDA/wB/f38AAAAAAAAAAAAAAAAAAAAAAAAAAAAhAAAAGAAAABQAAAD0CgAAdBIAAH0SAAC0FAAAECAAACYAAAAIAAAA//////////8="/>
+                <pr:smNativeData xmlns:pr="smNativeData" val="SMDATA_13_gcGAXRMAAAAlAAAAEgAAAE8BAAAAkAAAAEgAAACQAAAASAAAAAAAAAAAAAAAAAAAAAEAAABQAAAAAAAAAAAA4D8AAAAAAADgPwAAAAAAAOA/AAAAAAAA4D8AAAAAAADgPwAAAAAAAOA/AAAAAAAA4D8AAAAAAADgPwAAAAAAAOA/AAAAAAAA4D8CAAAAjAAAAAEAAAAAAAAAhlHdAP///wgAAAAAAAAAAAAAAAAAAAAAAAAAAAAAAAAAAAAAZAAAAAEAAABAAAAAAAAAAAAAAAAAAAAAAAAAAAAAAAAAAAAAAAAAAAAAAAAAAAAAAAAAAAAAAAAAAAAAAAAAAAAAAAAAAAAAAAAAAAAAAAAAAAAAAAAAAAAAAAAAAAAAFAAAADwAAAAAAAAAAAAAAAAAAAkUAAAAAQAAABQAAAAUAAAAFAAAAAEAAAAAAAAAZAAAAGQAAAAAAAAAZAAAAGQAAAAVAAAAYAAAAAAAAAAAAAAADwAAACADAAAAAAAAAAAAAAEAAACgMgAAAAAAAAAAAAABAAAAf39/AAEAAABkAAAAAAAAABQAAABAHwAAAAAAACYAAAAAAAAAwOD//wAAAAAmAAAAZAAAABYAAABMAAAAAAAAAAAAAAAEAAAAAAAAAAEAAACAgIAKAAAAACgAAAAoAAAAZAAAAGQAAAAAAAAAzMzMAAAAAABQAAAAUAAAAGQAAABkAAAAAAAAABcAAAAUAAAAAAAAANwIAAD/fwAA/38AAAAAAAAJAAAABAAAAAAAAAAMAAAAEAAAAAAAAAAAAAAAAAAAAAAAAAAeAAAAaAAAAAAAAAAAAAAAAAAAAAAAAAAAAAAAECcAABAnAAAAAAAAAAAAAAAAAAAAAAAAAAAAAAAAAAAAAAAAAAAAABQAAAAAAAAAwMD/AAAAAABkAAAAMgAAAAAAAABkAAAAAAAAAH9/fwAKAAAAHwAAAFQAAACGUd0A////AQAAAAAAAAAAAAAAAAAAAAAAAAAAAAAAAAAAAAAAAAAAAAAAAn9/fwCAgIADzMzMAMDA/wB/f38AAAAAAAAAAAAAAAAAAAAAAAAAAAAhAAAAGAAAABQAAAD0CgAAdBIAAH0SAAC0FAAAECAAACYAAAAIAAAA//////////8="/>
               </a:ext>
             </a:extLst>
           </p:cNvSpPr>
@@ -15582,7 +15582,7 @@
           <p:cNvSpPr txBox="1">
             <a:extLst>
               <a:ext uri="smNativeData">
-                <pr:smNativeData xmlns:pr="smNativeData" val="SMDATA_13_IrKAXRMAAAAlAAAAEgAAAE8BAAAAkAAAAEgAAACQAAAASAAAAAAAAAAAAAAAAAAAAAEAAABQAAAAAAAAAAAA4D8AAAAAAADgPwAAAAAAAOA/AAAAAAAA4D8AAAAAAADgPwAAAAAAAOA/AAAAAAAA4D8AAAAAAADgPwAAAAAAAOA/AAAAAAAA4D8CAAAAjAAAAAEAAAAAAAAAhlHdAP///wgAAAAAAAAAAAAAAAAAAAAAAAAAAAAAAAAAAAAAZAAAAAEAAABAAAAAAAAAAAAAAAAAAAAAAAAAAAAAAAAAAAAAAAAAAAAAAAAAAAAAAAAAAAAAAAAAAAAAAAAAAAAAAAAAAAAAAAAAAAAAAAAAAAAAAAAAAAAAAAAAAAAAFAAAADwAAAAAAAAAAAAAAAAAAAkUAAAAAQAAABQAAAAUAAAAFAAAAAEAAAAAAAAAZAAAAGQAAAAAAAAAZAAAAGQAAAAVAAAAYAAAAAAAAAAAAAAADwAAACADAAAAAAAAAAAAAAEAAACgMgAAAAAAAAAAAAABAAAAf39/AAEAAABkAAAAAAAAABQAAABAHwAAAAAAACYAAAAAAAAAwOD//wAAAAAmAAAAZAAAABYAAABMAAAAAAAAAAAAAAAEAAAAAAAAAAEAAACAgIAKAAAAACgAAAAoAAAAZAAAAGQAAAAAAAAAzMzMAAAAAABQAAAAUAAAAGQAAABkAAAAAAAAABcAAAAUAAAAAAAAANwIAAD/fwAA/38AAAAAAAAJAAAABAAAAAAAAAAMAAAAEAAAAAAAAAAAAAAAAAAAAAAAAAAeAAAAaAAAAAAAAAAAAAAAAAAAAAAAAAAAAAAAECcAABAnAAAAAAAAAAAAAAAAAAAAAAAAAAAAAAAAAAAAAAAAAAAAABQAAAAAAAAAwMD/AAAAAABkAAAAMgAAAAAAAABkAAAAAAAAAH9/fwAKAAAAHwAAAFQAAACGUd0A////AQAAAAAAAAAAAAAAAAAAAAAAAAAAAAAAAAAAAAAAAAAAAAAAAn9/fwCAgIADzMzMAMDA/wB/f38AAAAAAAAAAAAAAAAAAAAAAAAAAAAhAAAAGAAAABQAAAD0CgAAJRUAAH0SAABlFwAAECAAACYAAAAIAAAA//////////8="/>
+                <pr:smNativeData xmlns:pr="smNativeData" val="SMDATA_13_gcGAXRMAAAAlAAAAEgAAAE8BAAAAkAAAAEgAAACQAAAASAAAAAAAAAAAAAAAAAAAAAEAAABQAAAAAAAAAAAA4D8AAAAAAADgPwAAAAAAAOA/AAAAAAAA4D8AAAAAAADgPwAAAAAAAOA/AAAAAAAA4D8AAAAAAADgPwAAAAAAAOA/AAAAAAAA4D8CAAAAjAAAAAEAAAAAAAAAhlHdAP///wgAAAAAAAAAAAAAAAAAAAAAAAAAAAAAAAAAAAAAZAAAAAEAAABAAAAAAAAAAAAAAAAAAAAAAAAAAAAAAAAAAAAAAAAAAAAAAAAAAAAAAAAAAAAAAAAAAAAAAAAAAAAAAAAAAAAAAAAAAAAAAAAAAAAAAAAAAAAAAAAAAAAAFAAAADwAAAAAAAAAAAAAAAAAAAkUAAAAAQAAABQAAAAUAAAAFAAAAAEAAAAAAAAAZAAAAGQAAAAAAAAAZAAAAGQAAAAVAAAAYAAAAAAAAAAAAAAADwAAACADAAAAAAAAAAAAAAEAAACgMgAAAAAAAAAAAAABAAAAf39/AAEAAABkAAAAAAAAABQAAABAHwAAAAAAACYAAAAAAAAAwOD//wAAAAAmAAAAZAAAABYAAABMAAAAAAAAAAAAAAAEAAAAAAAAAAEAAACAgIAKAAAAACgAAAAoAAAAZAAAAGQAAAAAAAAAzMzMAAAAAABQAAAAUAAAAGQAAABkAAAAAAAAABcAAAAUAAAAAAAAANwIAAD/fwAA/38AAAAAAAAJAAAABAAAAAAAAAAMAAAAEAAAAAAAAAAAAAAAAAAAAAAAAAAeAAAAaAAAAAAAAAAAAAAAAAAAAAAAAAAAAAAAECcAABAnAAAAAAAAAAAAAAAAAAAAAAAAAAAAAAAAAAAAAAAAAAAAABQAAAAAAAAAwMD/AAAAAABkAAAAMgAAAAAAAABkAAAAAAAAAH9/fwAKAAAAHwAAAFQAAACGUd0A////AQAAAAAAAAAAAAAAAAAAAAAAAAAAAAAAAAAAAAAAAAAAAAAAAn9/fwCAgIADzMzMAMDA/wB/f38AAAAAAAAAAAAAAAAAAAAAAAAAAAAhAAAAGAAAABQAAAD0CgAAJRUAAH0SAABlFwAAECAAACYAAAAIAAAA//////////8="/>
               </a:ext>
             </a:extLst>
           </p:cNvSpPr>
@@ -15628,7 +15628,7 @@
             <a:picLocks noChangeAspect="1"/>
             <a:extLst>
               <a:ext uri="smNativeData">
-                <pr:smNativeData xmlns:pr="smNativeData" val="SMDATA_15_IrKAXRMAAAAlAAAAEQAAAC8BAAAAkAAAAEgAAACQAAAASAAAAAAAAAAAAAAAAAAAAAEAAABQAAAAAAAAAAAA4D8AAAAAAADgPwAAAAAAAOA/AAAAAAAA4D8AAAAAAADgPwAAAAAAAOA/AAAAAAAA4D8AAAAAAADgPwAAAAAAAOA/AAAAAAAA4D8CAAAAjAAAAAAAAAAAAAAAu+DjDP///wgAAAAAAAAAAAAAAAAAAAAAAAAAAAAAAAAAAAAAZAAAAAEAAABAAAAAAAAAAAAAAAAAAAAAAAAAAAAAAAAAAAAAAAAAAAAAAAAAAAAAAAAAAAAAAAAAAAAAAAAAAAAAAAAAAAAAAAAAAAAAAAAAAAAAAAAAAAAAAAAAAAAAFAAAADwAAAAAAAAAAAAAAAAAAAkUAAAAAQAAABQAAAAUAAAAFAAAAAEAAAAAAAAAZAAAAGQAAAAAAAAAZAAAAGQAAAAVAAAAYAAAAAAAAAAAAAAADwAAACADAAAAAAAAAAAAAAEAAACgMgAAAAAAAAAAAAABAAAAf39/AAEAAABkAAAAAAAAABQAAABAHwAAAAAAACYAAAAAAAAAwOD//wAAAAAmAAAAZAAAABYAAABMAAAAAAAAAAAAAAAEAAAAAAAAAAEAAACAgIAKAAAAACgAAAAoAAAAZAAAAGQAAAAAAAAAzMzMAAAAAABQAAAAUAAAAGQAAABkAAAAAAAAAAcAAAA4AAAAAAAAAAAAAAAAAAAA////AAAAAAAAAAAAAAAAAAAAAAAAAAAAAAAAAAAAAABkAAAAZAAAAAAAAAAjAAAABAAAAGQAAAAXAAAAFAAAAAAAAAAAAAAA/38AAP9/AAAAAAAACQAAAAQAAAAAAAAADAAAABAAAAAAAAAAAAAAAAAAAAAAAAAAHgAAAGgAAAAAAAAAAAAAAAAAAAAAAAAAAAAAABAnAAAQJwAAAAAAAAAAAAAAAAAAAAAAAAAAAAAAAAAAAAAAAAAAAAAUAAAAAAAAAMDA/wAAAAAAZAAAADIAAAAAAAAAZAAAAAAAAAB/f38ACgAAAB8AAABUAAAAu+DjBf///wEAAAAAAAAAAAAAAAAAAAAAAAAAAAAAAAAAAAAAAAAAAAAAAAJ/f38AgICAA8zMzADAwP8Af39/AAAAAAAAAAAAAAAAAP///wAAAAAAIQAAABgAAAAUAAAAfgwAALgYAAA3EQAAMScAABAAAAAmAAAACAAAAP//////////"/>
+                <pr:smNativeData xmlns:pr="smNativeData" val="SMDATA_15_gcGAXRMAAAAlAAAAEQAAAC8BAAAAkAAAAEgAAACQAAAASAAAAAAAAAAAAAAAAAAAAAEAAABQAAAAAAAAAAAA4D8AAAAAAADgPwAAAAAAAOA/AAAAAAAA4D8AAAAAAADgPwAAAAAAAOA/AAAAAAAA4D8AAAAAAADgPwAAAAAAAOA/AAAAAAAA4D8CAAAAjAAAAAAAAAAAAAAAu+DjDP///wgAAAAAAAAAAAAAAAAAAAAAAAAAAAAAAAAAAAAAZAAAAAEAAABAAAAAAAAAAAAAAAAAAAAAAAAAAAAAAAAAAAAAAAAAAAAAAAAAAAAAAAAAAAAAAAAAAAAAAAAAAAAAAAAAAAAAAAAAAAAAAAAAAAAAAAAAAAAAAAAAAAAAFAAAADwAAAAAAAAAAAAAAAAAAAkUAAAAAQAAABQAAAAUAAAAFAAAAAEAAAAAAAAAZAAAAGQAAAAAAAAAZAAAAGQAAAAVAAAAYAAAAAAAAAAAAAAADwAAACADAAAAAAAAAAAAAAEAAACgMgAAAAAAAAAAAAABAAAAf39/AAEAAABkAAAAAAAAABQAAABAHwAAAAAAACYAAAAAAAAAwOD//wAAAAAmAAAAZAAAABYAAABMAAAAAAAAAAAAAAAEAAAAAAAAAAEAAACAgIAKAAAAACgAAAAoAAAAZAAAAGQAAAAAAAAAzMzMAAAAAABQAAAAUAAAAGQAAABkAAAAAAAAAAcAAAA4AAAAAAAAAAAAAAAAAAAA////AAAAAAAAAAAAAAAAAAAAAAAAAAAAAAAAAAAAAABkAAAAZAAAAAAAAAAjAAAABAAAAGQAAAAXAAAAFAAAAAAAAAAAAAAA/38AAP9/AAAAAAAACQAAAAQAAAAAAAAADAAAABAAAAAAAAAAAAAAAAAAAAAAAAAAHgAAAGgAAAAAAAAAAAAAAAAAAAAAAAAAAAAAABAnAAAQJwAAAAAAAAAAAAAAAAAAAAAAAAAAAAAAAAAAAAAAAAAAAAAUAAAAAAAAAMDA/wAAAAAAZAAAADIAAAAAAAAAZAAAAAAAAAB/f38ACgAAAB8AAABUAAAAu+DjBf///wEAAAAAAAAAAAAAAAAAAAAAAAAAAAAAAAAAAAAAAAAAAAAAAAJ/f38AgICAA8zMzADAwP8Af39/AAAAAAAAAAAAAAAAAP///wAAAAAAIQAAABgAAAAUAAAAfgwAALgYAAA3EQAAMScAABAAAAAmAAAACAAAAP//////////"/>
               </a:ext>
             </a:extLst>
           </p:cNvPicPr>
@@ -15751,7 +15751,7 @@
                 </a:tc>
                 <a:extLst>
                   <a:ext uri="smNativeData">
-                    <pr:rowheight xmlns="" xmlns:pr="smNativeData" dt="1568715298" type="min" val="668020"/>
+                    <pr:rowheight xmlns="" xmlns:pr="smNativeData" dt="1568719233" type="min" val="668020"/>
                   </a:ext>
                 </a:extLst>
               </a:tr>
@@ -15920,7 +15920,7 @@
                 </a:tc>
                 <a:extLst>
                   <a:ext uri="smNativeData">
-                    <pr:rowheight xmlns="" xmlns:pr="smNativeData" dt="1568715298" type="min" val="1006475"/>
+                    <pr:rowheight xmlns="" xmlns:pr="smNativeData" dt="1568719233" type="min" val="1006475"/>
                   </a:ext>
                 </a:extLst>
               </a:tr>
@@ -16089,7 +16089,7 @@
                 </a:tc>
                 <a:extLst>
                   <a:ext uri="smNativeData">
-                    <pr:rowheight xmlns="" xmlns:pr="smNativeData" dt="1568715298" type="min" val="2557780"/>
+                    <pr:rowheight xmlns="" xmlns:pr="smNativeData" dt="1568719233" type="min" val="2557780"/>
                   </a:ext>
                 </a:extLst>
               </a:tr>
@@ -16103,7 +16103,7 @@
           <p:cNvSpPr txBox="1">
             <a:extLst>
               <a:ext uri="smNativeData">
-                <pr:smNativeData xmlns:pr="smNativeData" val="SMDATA_13_IrKAXRMAAAAlAAAAEgAAAE8BAAAAkAAAAEgAAACQAAAASAAAAAAAAAAAAAAAAAAAAAEAAABQAAAAAAAAAAAA4D8AAAAAAADgPwAAAAAAAOA/AAAAAAAA4D8AAAAAAADgPwAAAAAAAOA/AAAAAAAA4D8AAAAAAADgPwAAAAAAAOA/AAAAAAAA4D8CAAAAjAAAAAEAAAAAAAAAhlHdAP///wgAAAAAAAAAAAAAAAAAAAAAAAAAAAAAAAAAAAAAZAAAAAEAAABAAAAAAAAAAAAAAAAAAAAAAAAAAAAAAAAAAAAAAAAAAAAAAAAAAAAAAAAAAAAAAAAAAAAAAAAAAAAAAAAAAAAAAAAAAAAAAAAAAAAAAAAAAAAAAAAAAAAAFAAAADwAAAAAAAAAAAAAAAAAAAkUAAAAAQAAABQAAAAUAAAAFAAAAAEAAAAAAAAAZAAAAGQAAAAAAAAAZAAAAGQAAAAVAAAAYAAAAAAAAAAAAAAADwAAACADAAAAAAAAAAAAAAEAAACgMgAAAAAAAAAAAAABAAAAf39/AAEAAABkAAAAAAAAABQAAABAHwAAAAAAACYAAAAAAAAAwOD//wAAAAAmAAAAZAAAABYAAABMAAAAAAAAAAAAAAAEAAAAAAAAAAEAAACAgIAKAAAAACgAAAAoAAAAZAAAAGQAAAAAAAAAzMzMAAAAAABQAAAAUAAAAGQAAABkAAAAAAAAABcAAAAUAAAAAAAAANwIAAD/fwAA/38AAAAAAAAJAAAABAAAAAAAAAAMAAAAEAAAAAAAAAAAAAAAAAAAAAAAAAAeAAAAaAAAAAAAAAAAAAAAAAAAAAAAAAAAAAAAECcAABAnAAAAAAAAAAAAAAAAAAAAAAAAAAAAAAAAAAAAAAAAAAAAABQAAAAAAAAAwMD/AAAAAABkAAAAMgAAAAAAAABkAAAAAAAAAH9/fwAKAAAAHwAAAFQAAACGUd0A////AQAAAAAAAAAAAAAAAAAAAAAAAAAAAAAAAAAAAAAAAAAAAAAAAn9/fwCAgIADzMzMAMDA/wB/f38AAAAAAAAAAAAAAAAAAAAAAAAAAAAhAAAAGAAAABQAAAATIQAAkQ4AANgmAADREAAAECAAACYAAAAIAAAA//////////8="/>
+                <pr:smNativeData xmlns:pr="smNativeData" val="SMDATA_13_gcGAXRMAAAAlAAAAEgAAAE8BAAAAkAAAAEgAAACQAAAASAAAAAAAAAAAAAAAAAAAAAEAAABQAAAAAAAAAAAA4D8AAAAAAADgPwAAAAAAAOA/AAAAAAAA4D8AAAAAAADgPwAAAAAAAOA/AAAAAAAA4D8AAAAAAADgPwAAAAAAAOA/AAAAAAAA4D8CAAAAjAAAAAEAAAAAAAAAhlHdAP///wgAAAAAAAAAAAAAAAAAAAAAAAAAAAAAAAAAAAAAZAAAAAEAAABAAAAAAAAAAAAAAAAAAAAAAAAAAAAAAAAAAAAAAAAAAAAAAAAAAAAAAAAAAAAAAAAAAAAAAAAAAAAAAAAAAAAAAAAAAAAAAAAAAAAAAAAAAAAAAAAAAAAAFAAAADwAAAAAAAAAAAAAAAAAAAkUAAAAAQAAABQAAAAUAAAAFAAAAAEAAAAAAAAAZAAAAGQAAAAAAAAAZAAAAGQAAAAVAAAAYAAAAAAAAAAAAAAADwAAACADAAAAAAAAAAAAAAEAAACgMgAAAAAAAAAAAAABAAAAf39/AAEAAABkAAAAAAAAABQAAABAHwAAAAAAACYAAAAAAAAAwOD//wAAAAAmAAAAZAAAABYAAABMAAAAAAAAAAAAAAAEAAAAAAAAAAEAAACAgIAKAAAAACgAAAAoAAAAZAAAAGQAAAAAAAAAzMzMAAAAAABQAAAAUAAAAGQAAABkAAAAAAAAABcAAAAUAAAAAAAAANwIAAD/fwAA/38AAAAAAAAJAAAABAAAAAAAAAAMAAAAEAAAAAAAAAAAAAAAAAAAAAAAAAAeAAAAaAAAAAAAAAAAAAAAAAAAAAAAAAAAAAAAECcAABAnAAAAAAAAAAAAAAAAAAAAAAAAAAAAAAAAAAAAAAAAAAAAABQAAAAAAAAAwMD/AAAAAABkAAAAMgAAAAAAAABkAAAAAAAAAH9/fwAKAAAAHwAAAFQAAACGUd0A////AQAAAAAAAAAAAAAAAAAAAAAAAAAAAAAAAAAAAAAAAAAAAAAAAn9/fwCAgIADzMzMAMDA/wB/f38AAAAAAAAAAAAAAAAAAAAAAAAAAAAhAAAAGAAAABQAAAATIQAAkQ4AANgmAADREAAAECAAACYAAAAIAAAA//////////8="/>
               </a:ext>
             </a:extLst>
           </p:cNvSpPr>
@@ -16148,7 +16148,7 @@
           <p:cNvSpPr txBox="1">
             <a:extLst>
               <a:ext uri="smNativeData">
-                <pr:smNativeData xmlns:pr="smNativeData" val="SMDATA_13_IrKAXRMAAAAlAAAAEgAAAE8BAAAAkAAAAEgAAACQAAAASAAAAAAAAAAAAAAAAAAAAAEAAABQAAAAAAAAAAAA4D8AAAAAAADgPwAAAAAAAOA/AAAAAAAA4D8AAAAAAADgPwAAAAAAAOA/AAAAAAAA4D8AAAAAAADgPwAAAAAAAOA/AAAAAAAA4D8CAAAAjAAAAAEAAAAAAAAAhlHdAP///wgAAAAAAAAAAAAAAAAAAAAAAAAAAAAAAAAAAAAAZAAAAAEAAABAAAAAAAAAAAAAAAAAAAAAAAAAAAAAAAAAAAAAAAAAAAAAAAAAAAAAAAAAAAAAAAAAAAAAAAAAAAAAAAAAAAAAAAAAAAAAAAAAAAAAAAAAAAAAAAAAAAAAFAAAADwAAAAAAAAAAAAAAAAAAAkUAAAAAQAAABQAAAAUAAAAFAAAAAEAAAAAAAAAZAAAAGQAAAAAAAAAZAAAAGQAAAAVAAAAYAAAAAAAAAAAAAAADwAAACADAAAAAAAAAAAAAAEAAACgMgAAAAAAAAAAAAABAAAAf39/AAEAAABkAAAAAAAAABQAAABAHwAAAAAAACYAAAAAAAAAwOD//wAAAAAmAAAAZAAAABYAAABMAAAAAAAAAAAAAAAEAAAAAAAAAAEAAACAgIAKAAAAACgAAAAoAAAAZAAAAGQAAAAAAAAAzMzMAAAAAABQAAAAUAAAAGQAAABkAAAAAAAAABcAAAAUAAAAAAAAANwIAAD/fwAA/38AAAAAAAAJAAAABAAAAAAAAAAMAAAAEAAAAAAAAAAAAAAAAAAAAAAAAAAeAAAAaAAAAAAAAAAAAAAAAAAAAAAAAAAAAAAAECcAABAnAAAAAAAAAAAAAAAAAAAAAAAAAAAAAAAAAAAAAAAAAAAAABQAAAAAAAAAwMD/AAAAAABkAAAAMgAAAAAAAABkAAAAAAAAAH9/fwAKAAAAHwAAAFQAAACGUd0A////AQAAAAAAAAAAAAAAAAAAAAAAAAAAAAAAAAAAAAAAAAAAAAAAAn9/fwCAgIADzMzMAMDA/wB/f38AAAAAAAAAAAAAAAAAAAAAAAAAAAAhAAAAGAAAABQAAABvLQAAkQ4AADQzAADREAAAECAAACYAAAAIAAAA//////////8="/>
+                <pr:smNativeData xmlns:pr="smNativeData" val="SMDATA_13_gcGAXRMAAAAlAAAAEgAAAE8BAAAAkAAAAEgAAACQAAAASAAAAAAAAAAAAAAAAAAAAAEAAABQAAAAAAAAAAAA4D8AAAAAAADgPwAAAAAAAOA/AAAAAAAA4D8AAAAAAADgPwAAAAAAAOA/AAAAAAAA4D8AAAAAAADgPwAAAAAAAOA/AAAAAAAA4D8CAAAAjAAAAAEAAAAAAAAAhlHdAP///wgAAAAAAAAAAAAAAAAAAAAAAAAAAAAAAAAAAAAAZAAAAAEAAABAAAAAAAAAAAAAAAAAAAAAAAAAAAAAAAAAAAAAAAAAAAAAAAAAAAAAAAAAAAAAAAAAAAAAAAAAAAAAAAAAAAAAAAAAAAAAAAAAAAAAAAAAAAAAAAAAAAAAFAAAADwAAAAAAAAAAAAAAAAAAAkUAAAAAQAAABQAAAAUAAAAFAAAAAEAAAAAAAAAZAAAAGQAAAAAAAAAZAAAAGQAAAAVAAAAYAAAAAAAAAAAAAAADwAAACADAAAAAAAAAAAAAAEAAACgMgAAAAAAAAAAAAABAAAAf39/AAEAAABkAAAAAAAAABQAAABAHwAAAAAAACYAAAAAAAAAwOD//wAAAAAmAAAAZAAAABYAAABMAAAAAAAAAAAAAAAEAAAAAAAAAAEAAACAgIAKAAAAACgAAAAoAAAAZAAAAGQAAAAAAAAAzMzMAAAAAABQAAAAUAAAAGQAAABkAAAAAAAAABcAAAAUAAAAAAAAANwIAAD/fwAA/38AAAAAAAAJAAAABAAAAAAAAAAMAAAAEAAAAAAAAAAAAAAAAAAAAAAAAAAeAAAAaAAAAAAAAAAAAAAAAAAAAAAAAAAAAAAAECcAABAnAAAAAAAAAAAAAAAAAAAAAAAAAAAAAAAAAAAAAAAAAAAAABQAAAAAAAAAwMD/AAAAAABkAAAAMgAAAAAAAABkAAAAAAAAAH9/fwAKAAAAHwAAAFQAAACGUd0A////AQAAAAAAAAAAAAAAAAAAAAAAAAAAAAAAAAAAAAAAAAAAAAAAAn9/fwCAgIADzMzMAMDA/wB/f38AAAAAAAAAAAAAAAAAAAAAAAAAAAAhAAAAGAAAABQAAABvLQAAkQ4AADQzAADREAAAECAAACYAAAAIAAAA//////////8="/>
               </a:ext>
             </a:extLst>
           </p:cNvSpPr>
@@ -16193,7 +16193,7 @@
           <p:cNvSpPr txBox="1">
             <a:extLst>
               <a:ext uri="smNativeData">
-                <pr:smNativeData xmlns:pr="smNativeData" val="SMDATA_13_IrKAXRMAAAAlAAAAEgAAAE8BAAAAkAAAAEgAAACQAAAASAAAAAAAAAAAAAAAAAAAAAEAAABQAAAAAAAAAAAA4D8AAAAAAADgPwAAAAAAAOA/AAAAAAAA4D8AAAAAAADgPwAAAAAAAOA/AAAAAAAA4D8AAAAAAADgPwAAAAAAAOA/AAAAAAAA4D8CAAAAjAAAAAEAAAAAAAAAhlHdAP///wgAAAAAAAAAAAAAAAAAAAAAAAAAAAAAAAAAAAAAZAAAAAEAAABAAAAAAAAAAAAAAAAAAAAAAAAAAAAAAAAAAAAAAAAAAAAAAAAAAAAAAAAAAAAAAAAAAAAAAAAAAAAAAAAAAAAAAAAAAAAAAAAAAAAAAAAAAAAAAAAAAAAAFAAAADwAAAAAAAAAAAAAAAAAAAkUAAAAAQAAABQAAAAUAAAAFAAAAAEAAAAAAAAAZAAAAGQAAAAAAAAAZAAAAGQAAAAVAAAAYAAAAAAAAAAAAAAADwAAACADAAAAAAAAAAAAAAEAAACgMgAAAAAAAAAAAAABAAAAf39/AAEAAABkAAAAAAAAABQAAABAHwAAAAAAACYAAAAAAAAAwOD//wAAAAAmAAAAZAAAABYAAABMAAAAAAAAAAAAAAAEAAAAAAAAAAEAAACAgIAKAAAAACgAAAAoAAAAZAAAAGQAAAAAAAAAzMzMAAAAAABQAAAAUAAAAGQAAABkAAAAAAAAABcAAAAUAAAAAAAAANwIAAD/fwAA/38AAAAAAAAJAAAABAAAAAAAAAAMAAAAEAAAAAAAAAAAAAAAAAAAAAAAAAAeAAAAaAAAAAAAAAAAAAAAAAAAAAAAAAAAAAAAECcAABAnAAAAAAAAAAAAAAAAAAAAAAAAAAAAAAAAAAAAAAAAAAAAABQAAAAAAAAAwMD/AAAAAABkAAAAMgAAAAAAAABkAAAAAAAAAH9/fwAKAAAAHwAAAFQAAACGUd0A////AQAAAAAAAAAAAAAAAAAAAAAAAAAAAAAAAAAAAAAAAAAAAAAAAn9/fwCAgIADzMzMAMDA/wB/f38AAAAAAAAAAAAAAAAAAAAAAAAAAAAhAAAAGAAAABQAAABJJwAAkQ4AAA4tAADREAAAECAAACYAAAAIAAAA//////////8="/>
+                <pr:smNativeData xmlns:pr="smNativeData" val="SMDATA_13_gcGAXRMAAAAlAAAAEgAAAE8BAAAAkAAAAEgAAACQAAAASAAAAAAAAAAAAAAAAAAAAAEAAABQAAAAAAAAAAAA4D8AAAAAAADgPwAAAAAAAOA/AAAAAAAA4D8AAAAAAADgPwAAAAAAAOA/AAAAAAAA4D8AAAAAAADgPwAAAAAAAOA/AAAAAAAA4D8CAAAAjAAAAAEAAAAAAAAAhlHdAP///wgAAAAAAAAAAAAAAAAAAAAAAAAAAAAAAAAAAAAAZAAAAAEAAABAAAAAAAAAAAAAAAAAAAAAAAAAAAAAAAAAAAAAAAAAAAAAAAAAAAAAAAAAAAAAAAAAAAAAAAAAAAAAAAAAAAAAAAAAAAAAAAAAAAAAAAAAAAAAAAAAAAAAFAAAADwAAAAAAAAAAAAAAAAAAAkUAAAAAQAAABQAAAAUAAAAFAAAAAEAAAAAAAAAZAAAAGQAAAAAAAAAZAAAAGQAAAAVAAAAYAAAAAAAAAAAAAAADwAAACADAAAAAAAAAAAAAAEAAACgMgAAAAAAAAAAAAABAAAAf39/AAEAAABkAAAAAAAAABQAAABAHwAAAAAAACYAAAAAAAAAwOD//wAAAAAmAAAAZAAAABYAAABMAAAAAAAAAAAAAAAEAAAAAAAAAAEAAACAgIAKAAAAACgAAAAoAAAAZAAAAGQAAAAAAAAAzMzMAAAAAABQAAAAUAAAAGQAAABkAAAAAAAAABcAAAAUAAAAAAAAANwIAAD/fwAA/38AAAAAAAAJAAAABAAAAAAAAAAMAAAAEAAAAAAAAAAAAAAAAAAAAAAAAAAeAAAAaAAAAAAAAAAAAAAAAAAAAAAAAAAAAAAAECcAABAnAAAAAAAAAAAAAAAAAAAAAAAAAAAAAAAAAAAAAAAAAAAAABQAAAAAAAAAwMD/AAAAAABkAAAAMgAAAAAAAABkAAAAAAAAAH9/fwAKAAAAHwAAAFQAAACGUd0A////AQAAAAAAAAAAAAAAAAAAAAAAAAAAAAAAAAAAAAAAAAAAAAAAAn9/fwCAgIADzMzMAMDA/wB/f38AAAAAAAAAAAAAAAAAAAAAAAAAAAAhAAAAGAAAABQAAABJJwAAkQ4AAA4tAADREAAAECAAACYAAAAIAAAA//////////8="/>
               </a:ext>
             </a:extLst>
           </p:cNvSpPr>
@@ -16238,7 +16238,7 @@
           <p:cNvSpPr txBox="1">
             <a:extLst>
               <a:ext uri="smNativeData">
-                <pr:smNativeData xmlns:pr="smNativeData" val="SMDATA_13_IrKAXRMAAAAlAAAAEgAAAE8BAAAAkAAAAEgAAACQAAAASAAAAAAAAAAAAAAAAAAAAAEAAABQAAAAAAAAAAAA4D8AAAAAAADgPwAAAAAAAOA/AAAAAAAA4D8AAAAAAADgPwAAAAAAAOA/AAAAAAAA4D8AAAAAAADgPwAAAAAAAOA/AAAAAAAA4D8CAAAAjAAAAAEAAAAAAAAAhlHdAP///wgAAAAAAAAAAAAAAAAAAAAAAAAAAAAAAAAAAAAAZAAAAAEAAABAAAAAAAAAAAAAAAAAAAAAAAAAAAAAAAAAAAAAAAAAAAAAAAAAAAAAAAAAAAAAAAAAAAAAAAAAAAAAAAAAAAAAAAAAAAAAAAAAAAAAAAAAAAAAAAAAAAAAFAAAADwAAAAAAAAAAAAAAAAAAAkUAAAAAQAAABQAAAAUAAAAFAAAAAEAAAAAAAAAZAAAAGQAAAAAAAAAZAAAAGQAAAAVAAAAYAAAAAAAAAAAAAAADwAAACADAAAAAAAAAAAAAAEAAACgMgAAAAAAAAAAAAABAAAAf39/AAEAAABkAAAAAAAAABQAAABAHwAAAAAAACYAAAAAAAAAwOD//wAAAAAmAAAAZAAAABYAAABMAAAAAAAAAAAAAAAEAAAAAAAAAAEAAACAgIAKAAAAACgAAAAoAAAAZAAAAGQAAAAAAAAAzMzMAAAAAABQAAAAUAAAAGQAAABkAAAAAAAAABcAAAAUAAAAAAAAANwIAAD/fwAA/38AAAAAAAAJAAAABAAAAAAAAAAMAAAAEAAAAAAAAAAAAAAAAAAAAAAAAAAeAAAAaAAAAAAAAAAAAAAAAAAAAAAAAAAAAAAAECcAABAnAAAAAAAAAAAAAAAAAAAAAAAAAAAAAAAAAAAAAAAAAAAAABQAAAAAAAAAwMD/AAAAAABkAAAAMgAAAAAAAABkAAAAAAAAAH9/fwAKAAAAHwAAAFQAAACGUd0A////AQAAAAAAAAAAAAAAAAAAAAAAAAAAAAAAAAAAAAAAAAAAAAAAAn9/fwCAgIADzMzMAMDA/wB/f38AAAAAAAAAAAAAAAAAAAAAAAAAAAAhAAAAGAAAABQAAAA5IAAAVRUAAPYlAABlFwAAECAAACYAAAAIAAAA//////////8="/>
+                <pr:smNativeData xmlns:pr="smNativeData" val="SMDATA_13_gcGAXRMAAAAlAAAAEgAAAE8BAAAAkAAAAEgAAACQAAAASAAAAAAAAAAAAAAAAAAAAAEAAABQAAAAAAAAAAAA4D8AAAAAAADgPwAAAAAAAOA/AAAAAAAA4D8AAAAAAADgPwAAAAAAAOA/AAAAAAAA4D8AAAAAAADgPwAAAAAAAOA/AAAAAAAA4D8CAAAAjAAAAAEAAAAAAAAAhlHdAP///wgAAAAAAAAAAAAAAAAAAAAAAAAAAAAAAAAAAAAAZAAAAAEAAABAAAAAAAAAAAAAAAAAAAAAAAAAAAAAAAAAAAAAAAAAAAAAAAAAAAAAAAAAAAAAAAAAAAAAAAAAAAAAAAAAAAAAAAAAAAAAAAAAAAAAAAAAAAAAAAAAAAAAFAAAADwAAAAAAAAAAAAAAAAAAAkUAAAAAQAAABQAAAAUAAAAFAAAAAEAAAAAAAAAZAAAAGQAAAAAAAAAZAAAAGQAAAAVAAAAYAAAAAAAAAAAAAAADwAAACADAAAAAAAAAAAAAAEAAACgMgAAAAAAAAAAAAABAAAAf39/AAEAAABkAAAAAAAAABQAAABAHwAAAAAAACYAAAAAAAAAwOD//wAAAAAmAAAAZAAAABYAAABMAAAAAAAAAAAAAAAEAAAAAAAAAAEAAACAgIAKAAAAACgAAAAoAAAAZAAAAGQAAAAAAAAAzMzMAAAAAABQAAAAUAAAAGQAAABkAAAAAAAAABcAAAAUAAAAAAAAANwIAAD/fwAA/38AAAAAAAAJAAAABAAAAAAAAAAMAAAAEAAAAAAAAAAAAAAAAAAAAAAAAAAeAAAAaAAAAAAAAAAAAAAAAAAAAAAAAAAAAAAAECcAABAnAAAAAAAAAAAAAAAAAAAAAAAAAAAAAAAAAAAAAAAAAAAAABQAAAAAAAAAwMD/AAAAAABkAAAAMgAAAAAAAABkAAAAAAAAAH9/fwAKAAAAHwAAAFQAAACGUd0A////AQAAAAAAAAAAAAAAAAAAAAAAAAAAAAAAAAAAAAAAAAAAAAAAAn9/fwCAgIADzMzMAMDA/wB/f38AAAAAAAAAAAAAAAAAAAAAAAAAAAAhAAAAGAAAABQAAAA5IAAAVRUAAPYlAABlFwAAECAAACYAAAAIAAAA//////////8="/>
               </a:ext>
             </a:extLst>
           </p:cNvSpPr>
@@ -16285,7 +16285,7 @@
           <p:cNvSpPr txBox="1">
             <a:extLst>
               <a:ext uri="smNativeData">
-                <pr:smNativeData xmlns:pr="smNativeData" val="SMDATA_13_IrKAXRMAAAAlAAAAEgAAAE8BAAAAkAAAAEgAAACQAAAASAAAAAAAAAAAAAAAAAAAAAEAAABQAAAAAAAAAAAA4D8AAAAAAADgPwAAAAAAAOA/AAAAAAAA4D8AAAAAAADgPwAAAAAAAOA/AAAAAAAA4D8AAAAAAADgPwAAAAAAAOA/AAAAAAAA4D8CAAAAjAAAAAEAAAAAAAAAhlHdAP///wgAAAAAAAAAAAAAAAAAAAAAAAAAAAAAAAAAAAAAZAAAAAEAAABAAAAAAAAAAAAAAAAAAAAAAAAAAAAAAAAAAAAAAAAAAAAAAAAAAAAAAAAAAAAAAAAAAAAAAAAAAAAAAAAAAAAAAAAAAAAAAAAAAAAAAAAAAAAAAAAAAAAAFAAAADwAAAAAAAAAAAAAAAAAAAkUAAAAAQAAABQAAAAUAAAAFAAAAAEAAAAAAAAAZAAAAGQAAAAAAAAAZAAAAGQAAAAVAAAAYAAAAAAAAAAAAAAADwAAACADAAAAAAAAAAAAAAEAAACgMgAAAAAAAAAAAAABAAAAf39/AAEAAABkAAAAAAAAABQAAABAHwAAAAAAACYAAAAAAAAAwOD//wAAAAAmAAAAZAAAABYAAABMAAAAAAAAAAAAAAAEAAAAAAAAAAEAAACAgIAKAAAAACgAAAAoAAAAZAAAAGQAAAAAAAAAzMzMAAAAAABQAAAAUAAAAGQAAABkAAAAAAAAABcAAAAUAAAAAAAAANwIAAD/fwAA/38AAAAAAAAJAAAABAAAAAAAAAAMAAAAEAAAAAAAAAAAAAAAAAAAAAAAAAAeAAAAaAAAAAAAAAAAAAAAAAAAAAAAAAAAAAAAECcAABAnAAAAAAAAAAAAAAAAAAAAAAAAAAAAAAAAAAAAAAAAAAAAABQAAAAAAAAAwMD/AAAAAABkAAAAMgAAAAAAAABkAAAAAAAAAH9/fwAKAAAAHwAAAFQAAACGUd0A////AQAAAAAAAAAAAAAAAAAAAAAAAAAAAAAAAAAAAAAAAAAAAAAAAn9/fwCAgIADzMzMAMDA/wB/f38AAAAAAAAAAAAAAAAAAAAAAAAAAAAhAAAAGAAAABQAAAA5IAAAihIAAAImAADKFAAAECAAACYAAAAIAAAA//////////8="/>
+                <pr:smNativeData xmlns:pr="smNativeData" val="SMDATA_13_gcGAXRMAAAAlAAAAEgAAAE8BAAAAkAAAAEgAAACQAAAASAAAAAAAAAAAAAAAAAAAAAEAAABQAAAAAAAAAAAA4D8AAAAAAADgPwAAAAAAAOA/AAAAAAAA4D8AAAAAAADgPwAAAAAAAOA/AAAAAAAA4D8AAAAAAADgPwAAAAAAAOA/AAAAAAAA4D8CAAAAjAAAAAEAAAAAAAAAhlHdAP///wgAAAAAAAAAAAAAAAAAAAAAAAAAAAAAAAAAAAAAZAAAAAEAAABAAAAAAAAAAAAAAAAAAAAAAAAAAAAAAAAAAAAAAAAAAAAAAAAAAAAAAAAAAAAAAAAAAAAAAAAAAAAAAAAAAAAAAAAAAAAAAAAAAAAAAAAAAAAAAAAAAAAAFAAAADwAAAAAAAAAAAAAAAAAAAkUAAAAAQAAABQAAAAUAAAAFAAAAAEAAAAAAAAAZAAAAGQAAAAAAAAAZAAAAGQAAAAVAAAAYAAAAAAAAAAAAAAADwAAACADAAAAAAAAAAAAAAEAAACgMgAAAAAAAAAAAAABAAAAf39/AAEAAABkAAAAAAAAABQAAABAHwAAAAAAACYAAAAAAAAAwOD//wAAAAAmAAAAZAAAABYAAABMAAAAAAAAAAAAAAAEAAAAAAAAAAEAAACAgIAKAAAAACgAAAAoAAAAZAAAAGQAAAAAAAAAzMzMAAAAAABQAAAAUAAAAGQAAABkAAAAAAAAABcAAAAUAAAAAAAAANwIAAD/fwAA/38AAAAAAAAJAAAABAAAAAAAAAAMAAAAEAAAAAAAAAAAAAAAAAAAAAAAAAAeAAAAaAAAAAAAAAAAAAAAAAAAAAAAAAAAAAAAECcAABAnAAAAAAAAAAAAAAAAAAAAAAAAAAAAAAAAAAAAAAAAAAAAABQAAAAAAAAAwMD/AAAAAABkAAAAMgAAAAAAAABkAAAAAAAAAH9/fwAKAAAAHwAAAFQAAACGUd0A////AQAAAAAAAAAAAAAAAAAAAAAAAAAAAAAAAAAAAAAAAAAAAAAAAn9/fwCAgIADzMzMAMDA/wB/f38AAAAAAAAAAAAAAAAAAAAAAAAAAAAhAAAAGAAAABQAAAA5IAAAihIAAAImAADKFAAAECAAACYAAAAIAAAA//////////8="/>
               </a:ext>
             </a:extLst>
           </p:cNvSpPr>
@@ -16330,7 +16330,7 @@
           <p:cNvSpPr txBox="1">
             <a:extLst>
               <a:ext uri="smNativeData">
-                <pr:smNativeData xmlns:pr="smNativeData" val="SMDATA_13_IrKAXRMAAAAlAAAAEgAAAE8BAAAAkAAAAEgAAACQAAAASAAAAAAAAAAAAAAAAAAAAAEAAABQAAAAAAAAAAAA4D8AAAAAAADgPwAAAAAAAOA/AAAAAAAA4D8AAAAAAADgPwAAAAAAAOA/AAAAAAAA4D8AAAAAAADgPwAAAAAAAOA/AAAAAAAA4D8CAAAAjAAAAAEAAAAAAAAAhlHdAP///wgAAAAAAAAAAAAAAAAAAAAAAAAAAAAAAAAAAAAAZAAAAAEAAABAAAAAAAAAAAAAAAAAAAAAAAAAAAAAAAAAAAAAAAAAAAAAAAAAAAAAAAAAAAAAAAAAAAAAAAAAAAAAAAAAAAAAAAAAAAAAAAAAAAAAAAAAAAAAAAAAAAAAFAAAADwAAAAAAAAAAAAAAAAAAAkUAAAAAQAAABQAAAAUAAAAFAAAAAEAAAAAAAAAZAAAAGQAAAAAAAAAZAAAAGQAAAAVAAAAYAAAAAAAAAAAAAAADwAAACADAAAAAAAAAAAAAAEAAACgMgAAAAAAAAAAAAABAAAAf39/AAEAAABkAAAAAAAAABQAAABAHwAAAAAAACYAAAAAAAAAwOD//wAAAAAmAAAAZAAAABYAAABMAAAAAAAAAAAAAAAEAAAAAAAAAAEAAACAgIAKAAAAACgAAAAoAAAAZAAAAGQAAAAAAAAAzMzMAAAAAABQAAAAUAAAAGQAAABkAAAAAAAAABcAAAAUAAAAAAAAANwIAAD/fwAA/38AAAAAAAAJAAAABAAAAAAAAAAMAAAAEAAAAAAAAAAAAAAAAAAAAAAAAAAeAAAAaAAAAAAAAAAAAAAAAAAAAAAAAAAAAAAAECcAABAnAAAAAAAAAAAAAAAAAAAAAAAAAAAAAAAAAAAAAAAAAAAAABQAAAAAAAAAwMD/AAAAAABkAAAAMgAAAAAAAABkAAAAAAAAAH9/fwAKAAAAHwAAAFQAAACGUd0A////AQAAAAAAAAAAAAAAAAAAAAAAAAAAAAAAAAAAAAAAAAAAAAAAAn9/fwCAgIADzMzMAMDA/wB/f38AAAAAAAAAAAAAAAAAAAAAAAAAAAAhAAAAGAAAABQAAAAKJwAAVRUAAMcsAABlFwAAECAAACYAAAAIAAAA//////////8="/>
+                <pr:smNativeData xmlns:pr="smNativeData" val="SMDATA_13_gcGAXRMAAAAlAAAAEgAAAE8BAAAAkAAAAEgAAACQAAAASAAAAAAAAAAAAAAAAAAAAAEAAABQAAAAAAAAAAAA4D8AAAAAAADgPwAAAAAAAOA/AAAAAAAA4D8AAAAAAADgPwAAAAAAAOA/AAAAAAAA4D8AAAAAAADgPwAAAAAAAOA/AAAAAAAA4D8CAAAAjAAAAAEAAAAAAAAAhlHdAP///wgAAAAAAAAAAAAAAAAAAAAAAAAAAAAAAAAAAAAAZAAAAAEAAABAAAAAAAAAAAAAAAAAAAAAAAAAAAAAAAAAAAAAAAAAAAAAAAAAAAAAAAAAAAAAAAAAAAAAAAAAAAAAAAAAAAAAAAAAAAAAAAAAAAAAAAAAAAAAAAAAAAAAFAAAADwAAAAAAAAAAAAAAAAAAAkUAAAAAQAAABQAAAAUAAAAFAAAAAEAAAAAAAAAZAAAAGQAAAAAAAAAZAAAAGQAAAAVAAAAYAAAAAAAAAAAAAAADwAAACADAAAAAAAAAAAAAAEAAACgMgAAAAAAAAAAAAABAAAAf39/AAEAAABkAAAAAAAAABQAAABAHwAAAAAAACYAAAAAAAAAwOD//wAAAAAmAAAAZAAAABYAAABMAAAAAAAAAAAAAAAEAAAAAAAAAAEAAACAgIAKAAAAACgAAAAoAAAAZAAAAGQAAAAAAAAAzMzMAAAAAABQAAAAUAAAAGQAAABkAAAAAAAAABcAAAAUAAAAAAAAANwIAAD/fwAA/38AAAAAAAAJAAAABAAAAAAAAAAMAAAAEAAAAAAAAAAAAAAAAAAAAAAAAAAeAAAAaAAAAAAAAAAAAAAAAAAAAAAAAAAAAAAAECcAABAnAAAAAAAAAAAAAAAAAAAAAAAAAAAAAAAAAAAAAAAAAAAAABQAAAAAAAAAwMD/AAAAAABkAAAAMgAAAAAAAABkAAAAAAAAAH9/fwAKAAAAHwAAAFQAAACGUd0A////AQAAAAAAAAAAAAAAAAAAAAAAAAAAAAAAAAAAAAAAAAAAAAAAAn9/fwCAgIADzMzMAMDA/wB/f38AAAAAAAAAAAAAAAAAAAAAAAAAAAAhAAAAGAAAABQAAAAKJwAAVRUAAMcsAABlFwAAECAAACYAAAAIAAAA//////////8="/>
               </a:ext>
             </a:extLst>
           </p:cNvSpPr>
@@ -16377,7 +16377,7 @@
           <p:cNvSpPr txBox="1">
             <a:extLst>
               <a:ext uri="smNativeData">
-                <pr:smNativeData xmlns:pr="smNativeData" val="SMDATA_13_IrKAXRMAAAAlAAAAEgAAAE8BAAAAkAAAAEgAAACQAAAASAAAAAAAAAAAAAAAAAAAAAEAAABQAAAAAAAAAAAA4D8AAAAAAADgPwAAAAAAAOA/AAAAAAAA4D8AAAAAAADgPwAAAAAAAOA/AAAAAAAA4D8AAAAAAADgPwAAAAAAAOA/AAAAAAAA4D8CAAAAjAAAAAEAAAAAAAAAhlHdAP///wgAAAAAAAAAAAAAAAAAAAAAAAAAAAAAAAAAAAAAZAAAAAEAAABAAAAAAAAAAAAAAAAAAAAAAAAAAAAAAAAAAAAAAAAAAAAAAAAAAAAAAAAAAAAAAAAAAAAAAAAAAAAAAAAAAAAAAAAAAAAAAAAAAAAAAAAAAAAAAAAAAAAAFAAAADwAAAAAAAAAAAAAAAAAAAkUAAAAAQAAABQAAAAUAAAAFAAAAAEAAAAAAAAAZAAAAGQAAAAAAAAAZAAAAGQAAAAVAAAAYAAAAAAAAAAAAAAADwAAACADAAAAAAAAAAAAAAEAAACgMgAAAAAAAAAAAAABAAAAf39/AAEAAABkAAAAAAAAABQAAABAHwAAAAAAACYAAAAAAAAAwOD//wAAAAAmAAAAZAAAABYAAABMAAAAAAAAAAAAAAAEAAAAAAAAAAEAAACAgIAKAAAAACgAAAAoAAAAZAAAAGQAAAAAAAAAzMzMAAAAAABQAAAAUAAAAGQAAABkAAAAAAAAABcAAAAUAAAAAAAAANwIAAD/fwAA/38AAAAAAAAJAAAABAAAAAAA4WwMAAAAEAAAAAAAAAAAAAAAAAAAAAAAAAAeAAAAaAAAAAAAAAAAAAAAAAAAAAAAAAAAAAAAECcAABAnAAAAAAAAAAAAAAAAAAAAAAAAAAAAAAAAAAAAAAAAAAAAABQAAAAAAAAAwMD/AAAAAABkAAAAMgAAAAAAAABkAAAAAAAAAH9/fwAKAAAAHwAAAFQAAACGUd0A////AQAAAAAAAAAAAAAAAAAAAAAAAAAAAAAAAAAAAAAAAAAAAAAAAn9/fwCAgIADzMzMAMDA/wB/f38AAAAAAAAAAAAAAAAAAAAAAAAAAAAhAAAAGAAAABQAAAAKJwAAihIAANMsAADKFAAAECAAACYAAAAIAAAA//////////8="/>
+                <pr:smNativeData xmlns:pr="smNativeData" val="SMDATA_13_gcGAXRMAAAAlAAAAEgAAAE8BAAAAkAAAAEgAAACQAAAASAAAAAAAAAAAAAAAAAAAAAEAAABQAAAAAAAAAAAA4D8AAAAAAADgPwAAAAAAAOA/AAAAAAAA4D8AAAAAAADgPwAAAAAAAOA/AAAAAAAA4D8AAAAAAADgPwAAAAAAAOA/AAAAAAAA4D8CAAAAjAAAAAEAAAAAAAAAhlHdAP///wgAAAAAAAAAAAAAAAAAAAAAAAAAAAAAAAAAAAAAZAAAAAEAAABAAAAAAAAAAAAAAAAAAAAAAAAAAAAAAAAAAAAAAAAAAAAAAAAAAAAAAAAAAAAAAAAAAAAAAAAAAAAAAAAAAAAAAAAAAAAAAAAAAAAAAAAAAAAAAAAAAAAAFAAAADwAAAAAAAAAAAAAAAAAAAkUAAAAAQAAABQAAAAUAAAAFAAAAAEAAAAAAAAAZAAAAGQAAAAAAAAAZAAAAGQAAAAVAAAAYAAAAAAAAAAAAAAADwAAACADAAAAAAAAAAAAAAEAAACgMgAAAAAAAAAAAAABAAAAf39/AAEAAABkAAAAAAAAABQAAABAHwAAAAAAACYAAAAAAAAAwOD//wAAAAAmAAAAZAAAABYAAABMAAAAAAAAAAAAAAAEAAAAAAAAAAEAAACAgIAKAAAAACgAAAAoAAAAZAAAAGQAAAAAAAAAzMzMAAAAAABQAAAAUAAAAGQAAABkAAAAAAAAABcAAAAUAAAAAAAAANwIAAD/fwAA/38AAAAAAAAJAAAABAAAAAAA4WwMAAAAEAAAAAAAAAAAAAAAAAAAAAAAAAAeAAAAaAAAAAAAAAAAAAAAAAAAAAAAAAAAAAAAECcAABAnAAAAAAAAAAAAAAAAAAAAAAAAAAAAAAAAAAAAAAAAAAAAABQAAAAAAAAAwMD/AAAAAABkAAAAMgAAAAAAAABkAAAAAAAAAH9/fwAKAAAAHwAAAFQAAACGUd0A////AQAAAAAAAAAAAAAAAAAAAAAAAAAAAAAAAAAAAAAAAAAAAAAAAn9/fwCAgIADzMzMAMDA/wB/f38AAAAAAAAAAAAAAAAAAAAAAAAAAAAhAAAAGAAAABQAAAAKJwAAihIAANMsAADKFAAAECAAACYAAAAIAAAA//////////8="/>
               </a:ext>
             </a:extLst>
           </p:cNvSpPr>
@@ -16422,7 +16422,7 @@
           <p:cNvSpPr txBox="1">
             <a:extLst>
               <a:ext uri="smNativeData">
-                <pr:smNativeData xmlns:pr="smNativeData" val="SMDATA_13_IrKAXRMAAAAlAAAAEgAAAE8BAAAAkAAAAEgAAACQAAAASAAAAAAAAAAAAAAAAAAAAAEAAABQAAAAAAAAAAAA4D8AAAAAAADgPwAAAAAAAOA/AAAAAAAA4D8AAAAAAADgPwAAAAAAAOA/AAAAAAAA4D8AAAAAAADgPwAAAAAAAOA/AAAAAAAA4D8CAAAAjAAAAAEAAAAAAAAAhlHdAP///wgAAAAAAAAAAAAAAAAAAAAAAAAAAAAAAAAAAAAAZAAAAAEAAABAAAAAAAAAAAAAAAAAAAAAAAAAAAAAAAAAAAAAAAAAAAAAAAAAAAAAAAAAAAAAAAAAAAAAAAAAAAAAAAAAAAAAAAAAAAAAAAAAAAAAAAAAAAAAAAAAAAAAFAAAADwAAAAAAAAAAAAAAAAAAAkUAAAAAQAAABQAAAAUAAAAFAAAAAEAAAAAAAAAZAAAAGQAAAAAAAAAZAAAAGQAAAAVAAAAYAAAAAAAAAAAAAAADwAAACADAAAAAAAAAAAAAAEAAACgMgAAAAAAAAAAAAABAAAAf39/AAEAAABkAAAAAAAAABQAAABAHwAAAAAAACYAAAAAAAAAwOD//wAAAAAmAAAAZAAAABYAAABMAAAAAAAAAAAAAAAEAAAAAAAAAAEAAACAgIAKAAAAACgAAAAoAAAAZAAAAGQAAAAAAAAAzMzMAAAAAABQAAAAUAAAAGQAAABkAAAAAAAAABcAAAAUAAAAAAAAANwIAAD/fwAA/38AAAAAAAAJAAAABAAAABQFAAAMAAAAEAAAAAAAAAAAAAAAAAAAAAAAAAAeAAAAaAAAAAAAAAAAAAAAAAAAAAAAAAAAAAAAECcAABAnAAAAAAAAAAAAAAAAAAAAAAAAAAAAAAAAAAAAAAAAAAAAABQAAAAAAAAAwMD/AAAAAABkAAAAMgAAAAAAAABkAAAAAAAAAH9/fwAKAAAAHwAAAFQAAACGUd0A////AQAAAAAAAAAAAAAAAAAAAAAAAAAAAAAAAAAAAAAAAAAAAAAAAn9/fwCAgIADzMzMAMDA/wB/f38AAAAAAAAAAAAAAAAAAAAAAAAAAAAhAAAAGAAAABQAAAC2LQAAVRUAAHMzAABlFwAAECAAACYAAAAIAAAA//////////8="/>
+                <pr:smNativeData xmlns:pr="smNativeData" val="SMDATA_13_gcGAXRMAAAAlAAAAEgAAAE8BAAAAkAAAAEgAAACQAAAASAAAAAAAAAAAAAAAAAAAAAEAAABQAAAAAAAAAAAA4D8AAAAAAADgPwAAAAAAAOA/AAAAAAAA4D8AAAAAAADgPwAAAAAAAOA/AAAAAAAA4D8AAAAAAADgPwAAAAAAAOA/AAAAAAAA4D8CAAAAjAAAAAEAAAAAAAAAhlHdAP///wgAAAAAAAAAAAAAAAAAAAAAAAAAAAAAAAAAAAAAZAAAAAEAAABAAAAAAAAAAAAAAAAAAAAAAAAAAAAAAAAAAAAAAAAAAAAAAAAAAAAAAAAAAAAAAAAAAAAAAAAAAAAAAAAAAAAAAAAAAAAAAAAAAAAAAAAAAAAAAAAAAAAAFAAAADwAAAAAAAAAAAAAAAAAAAkUAAAAAQAAABQAAAAUAAAAFAAAAAEAAAAAAAAAZAAAAGQAAAAAAAAAZAAAAGQAAAAVAAAAYAAAAAAAAAAAAAAADwAAACADAAAAAAAAAAAAAAEAAACgMgAAAAAAAAAAAAABAAAAf39/AAEAAABkAAAAAAAAABQAAABAHwAAAAAAACYAAAAAAAAAwOD//wAAAAAmAAAAZAAAABYAAABMAAAAAAAAAAAAAAAEAAAAAAAAAAEAAACAgIAKAAAAACgAAAAoAAAAZAAAAGQAAAAAAAAAzMzMAAAAAABQAAAAUAAAAGQAAABkAAAAAAAAABcAAAAUAAAAAAAAANwIAAD/fwAA/38AAAAAAAAJAAAABAAAABQFAAAMAAAAEAAAAAAAAAAAAAAAAAAAAAAAAAAeAAAAaAAAAAAAAAAAAAAAAAAAAAAAAAAAAAAAECcAABAnAAAAAAAAAAAAAAAAAAAAAAAAAAAAAAAAAAAAAAAAAAAAABQAAAAAAAAAwMD/AAAAAABkAAAAMgAAAAAAAABkAAAAAAAAAH9/fwAKAAAAHwAAAFQAAACGUd0A////AQAAAAAAAAAAAAAAAAAAAAAAAAAAAAAAAAAAAAAAAAAAAAAAAn9/fwCAgIADzMzMAMDA/wB/f38AAAAAAAAAAAAAAAAAAAAAAAAAAAAhAAAAGAAAABQAAAC2LQAAVRUAAHMzAABlFwAAECAAACYAAAAIAAAA//////////8="/>
               </a:ext>
             </a:extLst>
           </p:cNvSpPr>
@@ -16469,7 +16469,7 @@
           <p:cNvSpPr txBox="1">
             <a:extLst>
               <a:ext uri="smNativeData">
-                <pr:smNativeData xmlns:pr="smNativeData" val="SMDATA_13_IrKAXRMAAAAlAAAAEgAAAE8BAAAAkAAAAEgAAACQAAAASAAAAAAAAAAAAAAAAAAAAAEAAABQAAAAAAAAAAAA4D8AAAAAAADgPwAAAAAAAOA/AAAAAAAA4D8AAAAAAADgPwAAAAAAAOA/AAAAAAAA4D8AAAAAAADgPwAAAAAAAOA/AAAAAAAA4D8CAAAAjAAAAAEAAAAAAAAAhlHdAP///wgAAAAAAAAAAAAAAAAAAAAAAAAAAAAAAAAAAAAAZAAAAAEAAABAAAAAAAAAAAAAAAAAAAAAAAAAAAAAAAAAAAAAAAAAAAAAAAAAAAAAAAAAAAAAAAAAAAAAAAAAAAAAAAAAAAAAAAAAAAAAAAAAAAAAAAAAAAAAAAAAAAAAFAAAADwAAAAAAAAAAAAAAAAAAAkUAAAAAQAAABQAAAAUAAAAFAAAAAEAAAAAAAAAZAAAAGQAAAAAAAAAZAAAAGQAAAAVAAAAYAAAAAAAAAAAAAAADwAAACADAAAAAAAAAAAAAAEAAACgMgAAAAAAAAAAAAABAAAAf39/AAEAAABkAAAAAAAAABQAAABAHwAAAAAAACYAAAAAAAAAwOD//wAAAAAmAAAAZAAAABYAAABMAAAAAAAAAAAAAAAEAAAAAAAAAAEAAACAgIAKAAAAACgAAAAoAAAAZAAAAGQAAAAAAAAAzMzMAAAAAABQAAAAUAAAAGQAAABkAAAAAAAAABcAAAAUAAAAAAAAANwIAAD/fwAA/38AAAAAAAAJAAAABAAAAAAAAAAMAAAAEAAAAAAAAAAAAAAAAAAAAAAAAAAeAAAAaAAAAAAAAAAAAAAAAAAAAAAAAAAAAAAAECcAABAnAAAAAAAAAAAAAAAAAAAAAAAAAAAAAAAAAAAAAAAAAAAAABQAAAAAAAAAwMD/AAAAAABkAAAAMgAAAAAAAABkAAAAAAAAAH9/fwAKAAAAHwAAAFQAAACGUd0A////AQAAAAAAAAAAAAAAAAAAAAAAAAAAAAAAAAAAAAAAAAAAAAAAAn9/fwCAgIADzMzMAMDA/wB/f38AAAAAAAAAAAAAAAAAAAAAAAAAAAAhAAAAGAAAABQAAACqLQAAihIAAHMzAADKFAAAECAAACYAAAAIAAAA//////////8="/>
+                <pr:smNativeData xmlns:pr="smNativeData" val="SMDATA_13_gcGAXRMAAAAlAAAAEgAAAE8BAAAAkAAAAEgAAACQAAAASAAAAAAAAAAAAAAAAAAAAAEAAABQAAAAAAAAAAAA4D8AAAAAAADgPwAAAAAAAOA/AAAAAAAA4D8AAAAAAADgPwAAAAAAAOA/AAAAAAAA4D8AAAAAAADgPwAAAAAAAOA/AAAAAAAA4D8CAAAAjAAAAAEAAAAAAAAAhlHdAP///wgAAAAAAAAAAAAAAAAAAAAAAAAAAAAAAAAAAAAAZAAAAAEAAABAAAAAAAAAAAAAAAAAAAAAAAAAAAAAAAAAAAAAAAAAAAAAAAAAAAAAAAAAAAAAAAAAAAAAAAAAAAAAAAAAAAAAAAAAAAAAAAAAAAAAAAAAAAAAAAAAAAAAFAAAADwAAAAAAAAAAAAAAAAAAAkUAAAAAQAAABQAAAAUAAAAFAAAAAEAAAAAAAAAZAAAAGQAAAAAAAAAZAAAAGQAAAAVAAAAYAAAAAAAAAAAAAAADwAAACADAAAAAAAAAAAAAAEAAACgMgAAAAAAAAAAAAABAAAAf39/AAEAAABkAAAAAAAAABQAAABAHwAAAAAAACYAAAAAAAAAwOD//wAAAAAmAAAAZAAAABYAAABMAAAAAAAAAAAAAAAEAAAAAAAAAAEAAACAgIAKAAAAACgAAAAoAAAAZAAAAGQAAAAAAAAAzMzMAAAAAABQAAAAUAAAAGQAAABkAAAAAAAAABcAAAAUAAAAAAAAANwIAAD/fwAA/38AAAAAAAAJAAAABAAAAAAAAAAMAAAAEAAAAAAAAAAAAAAAAAAAAAAAAAAeAAAAaAAAAAAAAAAAAAAAAAAAAAAAAAAAAAAAECcAABAnAAAAAAAAAAAAAAAAAAAAAAAAAAAAAAAAAAAAAAAAAAAAABQAAAAAAAAAwMD/AAAAAABkAAAAMgAAAAAAAABkAAAAAAAAAH9/fwAKAAAAHwAAAFQAAACGUd0A////AQAAAAAAAAAAAAAAAAAAAAAAAAAAAAAAAAAAAAAAAAAAAAAAAn9/fwCAgIADzMzMAMDA/wB/f38AAAAAAAAAAAAAAAAAAAAAAAAAAAAhAAAAGAAAABQAAACqLQAAihIAAHMzAADKFAAAECAAACYAAAAIAAAA//////////8="/>
               </a:ext>
             </a:extLst>
           </p:cNvSpPr>
@@ -16515,7 +16515,7 @@
             <a:picLocks noChangeAspect="1"/>
             <a:extLst>
               <a:ext uri="smNativeData">
-                <pr:smNativeData xmlns:pr="smNativeData" val="SMDATA_15_IrKAXRMAAAAlAAAAEQAAAC8BAAAAkAAAAEgAAACQAAAASAAAAAAAAAAAAAAAAAAAAAEAAABQAAAAAAAAAAAA4D8AAAAAAADgPwAAAAAAAOA/AAAAAAAA4D8AAAAAAADgPwAAAAAAAOA/AAAAAAAA4D8AAAAAAADgPwAAAAAAAOA/AAAAAAAA4D8CAAAAjAAAAAAAAAAAAAAAu+DjDP///wgAAAAAAAAAAAAAAAAAAAAAAAAAAAAAAAAAAAAAZAAAAAEAAABAAAAAAAAAAAAAAAAAAAAAAAAAAAAAAAAAAAAAAAAAAAAAAAAAAAAAAAAAAAAAAAAAAAAAAAAAAAAAAAAAAAAAAAAAAAAAAAAAAAAAAAAAAAAAAAAAAAAAFAAAADwAAAAAAAAAAAAAAAAAAAkUAAAAAQAAABQAAAAUAAAAFAAAAAEAAAAAAAAAZAAAAGQAAAAAAAAAZAAAAGQAAAAVAAAAYAAAAAAAAAAAAAAADwAAACADAAAAAAAAAAAAAAEAAACgMgAAAAAAAAAAAAABAAAAf39/AAEAAABkAAAAAAAAABQAAABAHwAAAAAAACYAAAAAAAAAwOD//wAAAAAmAAAAZAAAABYAAABMAAAAAAAAAAAAAAAEAAAAAAAAAAEAAACAgIAKAAAAACgAAAAoAAAAZAAAAGQAAAAAAAAAzMzMAAAAAABQAAAAUAAAAGQAAABkAAAAAAAAAAcAAAA4AAAAAAAAAAAAAAAAAAAA////AAAAAAAAAAAAAAAAAAAAAAAAAAAAAAAAAAAAAABkAAAAZAAAAAAAAAAjAAAABAAAAGQAAAAXAAAAFAAAAAAAAAAAAAAA/38AAP9/AAAAAAAACQAAAAQAAABNPwAADAAAABAAAAAAAAAAAAAAAAAAAAAAAAAAHgAAAGgAAAAAAAAAAAAAAAAAAAAAAAAAAAAAABAnAAAQJwAAAAAAAAAAAAAAAAAAAAAAAAAAAAAAAAAAAAAAAAAAAAAUAAAAAAAAAMDA/wAAAAAAZAAAADIAAAAAAAAAZAAAAAAAAAB/f38ACgAAAB8AAABUAAAAu+DjBf///wEAAAAAAAAAAAAAAAAAAAAAAAAAAAAAAAAAAAAAAAAAAAAAAAJ/f38AgICAA8zMzADAwP8Af39/AAAAAAAAAAAAAAAAAP///wAAAAAAIQAAABgAAAAUAAAAzCAAAJoZAACFJQAAEygAABAAAAAmAAAACAAAAP//////////"/>
+                <pr:smNativeData xmlns:pr="smNativeData" val="SMDATA_15_gcGAXRMAAAAlAAAAEQAAAC8BAAAAkAAAAEgAAACQAAAASAAAAAAAAAAAAAAAAAAAAAEAAABQAAAAAAAAAAAA4D8AAAAAAADgPwAAAAAAAOA/AAAAAAAA4D8AAAAAAADgPwAAAAAAAOA/AAAAAAAA4D8AAAAAAADgPwAAAAAAAOA/AAAAAAAA4D8CAAAAjAAAAAAAAAAAAAAAu+DjDP///wgAAAAAAAAAAAAAAAAAAAAAAAAAAAAAAAAAAAAAZAAAAAEAAABAAAAAAAAAAAAAAAAAAAAAAAAAAAAAAAAAAAAAAAAAAAAAAAAAAAAAAAAAAAAAAAAAAAAAAAAAAAAAAAAAAAAAAAAAAAAAAAAAAAAAAAAAAAAAAAAAAAAAFAAAADwAAAAAAAAAAAAAAAAAAAkUAAAAAQAAABQAAAAUAAAAFAAAAAEAAAAAAAAAZAAAAGQAAAAAAAAAZAAAAGQAAAAVAAAAYAAAAAAAAAAAAAAADwAAACADAAAAAAAAAAAAAAEAAACgMgAAAAAAAAAAAAABAAAAf39/AAEAAABkAAAAAAAAABQAAABAHwAAAAAAACYAAAAAAAAAwOD//wAAAAAmAAAAZAAAABYAAABMAAAAAAAAAAAAAAAEAAAAAAAAAAEAAACAgIAKAAAAACgAAAAoAAAAZAAAAGQAAAAAAAAAzMzMAAAAAABQAAAAUAAAAGQAAABkAAAAAAAAAAcAAAA4AAAAAAAAAAAAAAAAAAAA////AAAAAAAAAAAAAAAAAAAAAAAAAAAAAAAAAAAAAABkAAAAZAAAAAAAAAAjAAAABAAAAGQAAAAXAAAAFAAAAAAAAAAAAAAA/38AAP9/AAAAAAAACQAAAAQAAABNPwAADAAAABAAAAAAAAAAAAAAAAAAAAAAAAAAHgAAAGgAAAAAAAAAAAAAAAAAAAAAAAAAAAAAABAnAAAQJwAAAAAAAAAAAAAAAAAAAAAAAAAAAAAAAAAAAAAAAAAAAAAUAAAAAAAAAMDA/wAAAAAAZAAAADIAAAAAAAAAZAAAAAAAAAB/f38ACgAAAB8AAABUAAAAu+DjBf///wEAAAAAAAAAAAAAAAAAAAAAAAAAAAAAAAAAAAAAAAAAAAAAAAJ/f38AgICAA8zMzADAwP8Af39/AAAAAAAAAAAAAAAAAP///wAAAAAAIQAAABgAAAAUAAAAzCAAAJoZAACFJQAAEygAABAAAAAmAAAACAAAAP//////////"/>
               </a:ext>
             </a:extLst>
           </p:cNvPicPr>
@@ -16549,7 +16549,7 @@
             <a:picLocks noChangeAspect="1"/>
             <a:extLst>
               <a:ext uri="smNativeData">
-                <pr:smNativeData xmlns:pr="smNativeData" val="SMDATA_15_IrKAXRMAAAAlAAAAEQAAAC8BAAAAkAAAAEgAAACQAAAASAAAAAAAAAAAAAAAAAAAAAEAAABQAAAAAAAAAAAA4D8AAAAAAADgPwAAAAAAAOA/AAAAAAAA4D8AAAAAAADgPwAAAAAAAOA/AAAAAAAA4D8AAAAAAADgPwAAAAAAAOA/AAAAAAAA4D8CAAAAjAAAAAAAAAAAAAAAu+DjDP///wgAAAAAAAAAAAAAAAAAAAAAAAAAAAAAAAAAAAAAZAAAAAEAAABAAAAAAAAAAAAAAAAAAAAAAAAAAAAAAAAAAAAAAAAAAAAAAAAAAAAAAAAAAAAAAAAAAAAAAAAAAAAAAAAAAAAAAAAAAAAAAAAAAAAAAAAAAAAAAAAAAAAAFAAAADwAAAAAAAAAAAAAAAAAAAkUAAAAAQAAABQAAAAUAAAAFAAAAAEAAAAAAAAAZAAAAGQAAAAAAAAAZAAAAGQAAAAVAAAAYAAAAAAAAAAAAAAADwAAACADAAAAAAAAAAAAAAEAAACgMgAAAAAAAAAAAAABAAAAf39/AAEAAABkAAAAAAAAABQAAABAHwAAAAAAACYAAAAAAAAAwOD//wAAAAAmAAAAZAAAABYAAABMAAAAAAAAAAAAAAAEAAAAAAAAAAEAAACAgIAKAAAAACgAAAAoAAAAZAAAAGQAAAAAAAAAzMzMAAAAAABQAAAAUAAAAGQAAABkAAAAAAAAAAcAAAA4AAAAAAAAAAAAAAAAAAAA////AAAAAAAAAAAAAAAAAAAAAAAAAAAAAAAAAAAAAABkAAAAZAAAAAAAAAAjAAAABAAAAGQAAAAXAAAAFAAAAAAAAAAAAAAA/38AAP9/AAAAAAAACQAAAAQAAAB/PwAADAAAABAAAAAAAAAAAAAAAAAAAAAAAAAAHgAAAGgAAAAAAAAAAAAAAAAAAAAAAAAAAAAAABAnAAAQJwAAAAAAAAAAAAAAAAAAAAAAAAAAAAAAAAAAAAAAAAAAAAAUAAAAAAAAAMDA/wAAAAAAZAAAADIAAAAAAAAAZAAAAAAAAAB/f38ACgAAAB8AAABUAAAAu+DjBf///wEAAAAAAAAAAAAAAAAAAAAAAAAAAAAAAAAAAAAAAAAAAAAAAAJ/f38AgICAA8zMzADAwP8Af39/AAAAAAAAAAAAAAAAAP///wAAAAAAIQAAABgAAAAUAAAAiCcAAH8ZAABBLAAA+CcAABAAAAAmAAAACAAAAP//////////"/>
+                <pr:smNativeData xmlns:pr="smNativeData" val="SMDATA_15_gcGAXRMAAAAlAAAAEQAAAC8BAAAAkAAAAEgAAACQAAAASAAAAAAAAAAAAAAAAAAAAAEAAABQAAAAAAAAAAAA4D8AAAAAAADgPwAAAAAAAOA/AAAAAAAA4D8AAAAAAADgPwAAAAAAAOA/AAAAAAAA4D8AAAAAAADgPwAAAAAAAOA/AAAAAAAA4D8CAAAAjAAAAAAAAAAAAAAAu+DjDP///wgAAAAAAAAAAAAAAAAAAAAAAAAAAAAAAAAAAAAAZAAAAAEAAABAAAAAAAAAAAAAAAAAAAAAAAAAAAAAAAAAAAAAAAAAAAAAAAAAAAAAAAAAAAAAAAAAAAAAAAAAAAAAAAAAAAAAAAAAAAAAAAAAAAAAAAAAAAAAAAAAAAAAFAAAADwAAAAAAAAAAAAAAAAAAAkUAAAAAQAAABQAAAAUAAAAFAAAAAEAAAAAAAAAZAAAAGQAAAAAAAAAZAAAAGQAAAAVAAAAYAAAAAAAAAAAAAAADwAAACADAAAAAAAAAAAAAAEAAACgMgAAAAAAAAAAAAABAAAAf39/AAEAAABkAAAAAAAAABQAAABAHwAAAAAAACYAAAAAAAAAwOD//wAAAAAmAAAAZAAAABYAAABMAAAAAAAAAAAAAAAEAAAAAAAAAAEAAACAgIAKAAAAACgAAAAoAAAAZAAAAGQAAAAAAAAAzMzMAAAAAABQAAAAUAAAAGQAAABkAAAAAAAAAAcAAAA4AAAAAAAAAAAAAAAAAAAA////AAAAAAAAAAAAAAAAAAAAAAAAAAAAAAAAAAAAAABkAAAAZAAAAAAAAAAjAAAABAAAAGQAAAAXAAAAFAAAAAAAAAAAAAAA/38AAP9/AAAAAAAACQAAAAQAAAB/PwAADAAAABAAAAAAAAAAAAAAAAAAAAAAAAAAHgAAAGgAAAAAAAAAAAAAAAAAAAAAAAAAAAAAABAnAAAQJwAAAAAAAAAAAAAAAAAAAAAAAAAAAAAAAAAAAAAAAAAAAAAUAAAAAAAAAMDA/wAAAAAAZAAAADIAAAAAAAAAZAAAAAAAAAB/f38ACgAAAB8AAABUAAAAu+DjBf///wEAAAAAAAAAAAAAAAAAAAAAAAAAAAAAAAAAAAAAAAAAAAAAAAJ/f38AgICAA8zMzADAwP8Af39/AAAAAAAAAAAAAAAAAP///wAAAAAAIQAAABgAAAAUAAAAiCcAAH8ZAABBLAAA+CcAABAAAAAmAAAACAAAAP//////////"/>
               </a:ext>
             </a:extLst>
           </p:cNvPicPr>
@@ -16583,7 +16583,7 @@
             <a:picLocks noChangeAspect="1"/>
             <a:extLst>
               <a:ext uri="smNativeData">
-                <pr:smNativeData xmlns:pr="smNativeData" val="SMDATA_15_IrKAXRMAAAAlAAAAEQAAAC8BAAAAkAAAAEgAAACQAAAASAAAAAAAAAAAAAAAAAAAAAEAAABQAAAAAAAAAAAA4D8AAAAAAADgPwAAAAAAAOA/AAAAAAAA4D8AAAAAAADgPwAAAAAAAOA/AAAAAAAA4D8AAAAAAADgPwAAAAAAAOA/AAAAAAAA4D8CAAAAjAAAAAAAAAAAAAAAu+DjDP///wgAAAAAAAAAAAAAAAAAAAAAAAAAAAAAAAAAAAAAZAAAAAEAAABAAAAAAAAAAAAAAAAAAAAAAAAAAAAAAAAAAAAAAAAAAAAAAAAAAAAAAAAAAAAAAAAAAAAAAAAAAAAAAAAAAAAAAAAAAAAAAAAAAAAAAAAAAAAAAAAAAAAAFAAAADwAAAAAAAAAAAAAAAAAAAkUAAAAAQAAABQAAAAUAAAAFAAAAAEAAAAAAAAAZAAAAGQAAAAAAAAAZAAAAGQAAAAVAAAAYAAAAAAAAAAAAAAADwAAACADAAAAAAAAAAAAAAEAAACgMgAAAAAAAAAAAAABAAAAf39/AAEAAABkAAAAAAAAABQAAABAHwAAAAAAACYAAAAAAAAAwOD//wAAAAAmAAAAZAAAABYAAABMAAAAAAAAAAAAAAAEAAAAAAAAAAEAAACAgIAKAAAAACgAAAAoAAAAZAAAAGQAAAAAAAAAzMzMAAAAAABQAAAAUAAAAGQAAABkAAAAAAAAAAcAAAA4AAAAAAAAAAAAAAAAAAAA////AAAAAAAAAAAAAAAAAAAAAAAAAAAAAAAAAAAAAABkAAAAZAAAAAAAAAAjAAAABAAAAGQAAAAXAAAAFAAAAAAAAAAAAAAA/38AAP9/AAAAAAAACQAAAAQAAABMAAAADAAAABAAAAAAAAAAAAAAAAAAAAAAAAAAHgAAAGgAAAAAAAAAAAAAAAAAAAAAAAAAAAAAABAnAAAQJwAAAAAAAAAAAAAAAAAAAAAAAAAAAAAAAAAAAAAAAAAAAAAUAAAAAAAAAMDA/wAAAAAAZAAAADIAAAAAAAAAZAAAAAAAAAB/f38ACgAAAB8AAABUAAAAu+DjBf///wEAAAAAAAAAAAAAAAAAAAAAAAAAAAAAAAAAAAAAAAAAAAAAAAJ/f38AgICAA8zMzADAwP8Af39/AAAAAAAAAAAAAAAAAP///wAAAAAAIQAAABgAAAAUAAAAWS4AAJoZAAASMwAAEygAABAAAAAmAAAACAAAAP//////////"/>
+                <pr:smNativeData xmlns:pr="smNativeData" val="SMDATA_15_gcGAXRMAAAAlAAAAEQAAAC8BAAAAkAAAAEgAAACQAAAASAAAAAAAAAAAAAAAAAAAAAEAAABQAAAAAAAAAAAA4D8AAAAAAADgPwAAAAAAAOA/AAAAAAAA4D8AAAAAAADgPwAAAAAAAOA/AAAAAAAA4D8AAAAAAADgPwAAAAAAAOA/AAAAAAAA4D8CAAAAjAAAAAAAAAAAAAAAu+DjDP///wgAAAAAAAAAAAAAAAAAAAAAAAAAAAAAAAAAAAAAZAAAAAEAAABAAAAAAAAAAAAAAAAAAAAAAAAAAAAAAAAAAAAAAAAAAAAAAAAAAAAAAAAAAAAAAAAAAAAAAAAAAAAAAAAAAAAAAAAAAAAAAAAAAAAAAAAAAAAAAAAAAAAAFAAAADwAAAAAAAAAAAAAAAAAAAkUAAAAAQAAABQAAAAUAAAAFAAAAAEAAAAAAAAAZAAAAGQAAAAAAAAAZAAAAGQAAAAVAAAAYAAAAAAAAAAAAAAADwAAACADAAAAAAAAAAAAAAEAAACgMgAAAAAAAAAAAAABAAAAf39/AAEAAABkAAAAAAAAABQAAABAHwAAAAAAACYAAAAAAAAAwOD//wAAAAAmAAAAZAAAABYAAABMAAAAAAAAAAAAAAAEAAAAAAAAAAEAAACAgIAKAAAAACgAAAAoAAAAZAAAAGQAAAAAAAAAzMzMAAAAAABQAAAAUAAAAGQAAABkAAAAAAAAAAcAAAA4AAAAAAAAAAAAAAAAAAAA////AAAAAAAAAAAAAAAAAAAAAAAAAAAAAAAAAAAAAABkAAAAZAAAAAAAAAAjAAAABAAAAGQAAAAXAAAAFAAAAAAAAAAAAAAA/38AAP9/AAAAAAAACQAAAAQAAABMAAAADAAAABAAAAAAAAAAAAAAAAAAAAAAAAAAHgAAAGgAAAAAAAAAAAAAAAAAAAAAAAAAAAAAABAnAAAQJwAAAAAAAAAAAAAAAAAAAAAAAAAAAAAAAAAAAAAAAAAAAAAUAAAAAAAAAMDA/wAAAAAAZAAAADIAAAAAAAAAZAAAAAAAAAB/f38ACgAAAB8AAABUAAAAu+DjBf///wEAAAAAAAAAAAAAAAAAAAAAAAAAAAAAAAAAAAAAAAAAAAAAAAJ/f38AgICAA8zMzADAwP8Af39/AAAAAAAAAAAAAAAAAP///wAAAAAAIQAAABgAAAAUAAAAWS4AAJoZAAASMwAAEygAABAAAAAmAAAACAAAAP//////////"/>
               </a:ext>
             </a:extLst>
           </p:cNvPicPr>
@@ -16616,7 +16616,7 @@
           <p:cNvSpPr txBox="1">
             <a:extLst>
               <a:ext uri="smNativeData">
-                <pr:smNativeData xmlns:pr="smNativeData" val="SMDATA_13_IrKAXRMAAAAlAAAAEgAAAE8BAAAAkAAAAEgAAACQAAAASAAAAAAAAAAAAAAAAAAAAAEAAABQAAAAAAAAAAAA4D8AAAAAAADgPwAAAAAAAOA/AAAAAAAA4D8AAAAAAADgPwAAAAAAAOA/AAAAAAAA4D8AAAAAAADgPwAAAAAAAOA/AAAAAAAA4D8CAAAAjAAAAAAAAAAAAAAAu+DjDP///wgAAAAAAAAAAAAAAAAAAAAAAAAAAAAAAAAAAAAAZAAAAAEAAABAAAAAAAAAAAAAAAAAAAAAAAAAAAAAAAAAAAAAAAAAAAAAAAAAAAAAAAAAAAAAAAAAAAAAAAAAAAAAAAAAAAAAAAAAAAAAAAAAAAAAAAAAAAAAAAAAAAAAFAAAADwAAAAAAAAAAAAAAAAAAAkUAAAAAQAAABQAAAAUAAAAFAAAAAEAAAAAAAAAZAAAAGQAAAAAAAAAZAAAAGQAAAAVAAAAYAAAAAAAAAAAAAAADwAAACADAAAAAAAAAAAAAAEAAACgMgAAVgcAAKr4//8BAAAAf39/AAEAAABkAAAAAAAAABQAAABAHwAAAAAAACYAAAAAAAAAwOD//wAAAAAmAAAAZAAAABYAAABMAAAAAAAAAAAAAAAEAAAAAAAAAAEAAACAgIAKAAAAACgAAAAoAAAAZAAAAGQAAAAAAAAAzMzMAAAAAABQAAAAUAAAAGQAAABkAAAAAAAAABcAAAAUAAAAAAAAANwIAAD/fwAA/38AAAAAAAAJAAAABAAAADNAAAAMAAAAEAAAAAAAAAAAAAAAAAAAAAAAAAAeAAAAaAAAAAAAAAAAAAAAAAAAAAAAAAAAAAAAECcAABAnAAAAAAAAAAAAAAAAAAAAAAAAAAAAAAAAAAAAAAAAAAAAABQAAAAAAAAAwMD/AAAAAABkAAAAMgAAAAAAAABkAAAAAAAAAH9/fwAKAAAAHwAAAFQAAAC74OMF////AQAAAAAAAAAAAAAAAAAAAAAAAAAAAAAAAAAAAAAAAAAAAAAAAn9/fwCAgIADzMzMAMDA/wB/f38AAAAAAAAAAAAAAAAAAAAAAAAAAAAhAAAAGAAAABQAAADbBAAAbwsAACkZAADfDQAAECAAACYAAAAIAAAA//////////8="/>
+                <pr:smNativeData xmlns:pr="smNativeData" val="SMDATA_13_gcGAXRMAAAAlAAAAEgAAAE8BAAAAkAAAAEgAAACQAAAASAAAAAAAAAAAAAAAAAAAAAEAAABQAAAAAAAAAAAA4D8AAAAAAADgPwAAAAAAAOA/AAAAAAAA4D8AAAAAAADgPwAAAAAAAOA/AAAAAAAA4D8AAAAAAADgPwAAAAAAAOA/AAAAAAAA4D8CAAAAjAAAAAAAAAAAAAAAu+DjDP///wgAAAAAAAAAAAAAAAAAAAAAAAAAAAAAAAAAAAAAZAAAAAEAAABAAAAAAAAAAAAAAAAAAAAAAAAAAAAAAAAAAAAAAAAAAAAAAAAAAAAAAAAAAAAAAAAAAAAAAAAAAAAAAAAAAAAAAAAAAAAAAAAAAAAAAAAAAAAAAAAAAAAAFAAAADwAAAAAAAAAAAAAAAAAAAkUAAAAAQAAABQAAAAUAAAAFAAAAAEAAAAAAAAAZAAAAGQAAAAAAAAAZAAAAGQAAAAVAAAAYAAAAAAAAAAAAAAADwAAACADAAAAAAAAAAAAAAEAAACgMgAAVgcAAKr4//8BAAAAf39/AAEAAABkAAAAAAAAABQAAABAHwAAAAAAACYAAAAAAAAAwOD//wAAAAAmAAAAZAAAABYAAABMAAAAAAAAAAAAAAAEAAAAAAAAAAEAAACAgIAKAAAAACgAAAAoAAAAZAAAAGQAAAAAAAAAzMzMAAAAAABQAAAAUAAAAGQAAABkAAAAAAAAABcAAAAUAAAAAAAAANwIAAD/fwAA/38AAAAAAAAJAAAABAAAADNAAAAMAAAAEAAAAAAAAAAAAAAAAAAAAAAAAAAeAAAAaAAAAAAAAAAAAAAAAAAAAAAAAAAAAAAAECcAABAnAAAAAAAAAAAAAAAAAAAAAAAAAAAAAAAAAAAAAAAAAAAAABQAAAAAAAAAwMD/AAAAAABkAAAAMgAAAAAAAABkAAAAAAAAAH9/fwAKAAAAHwAAAFQAAAC74OMF////AQAAAAAAAAAAAAAAAAAAAAAAAAAAAAAAAAAAAAAAAAAAAAAAAn9/fwCAgIADzMzMAMDA/wB/f38AAAAAAAAAAAAAAAAAAAAAAAAAAAAhAAAAGAAAABQAAADbBAAAbwsAACkZAADfDQAAECAAACYAAAAIAAAA//////////8="/>
               </a:ext>
             </a:extLst>
           </p:cNvSpPr>
@@ -16664,7 +16664,7 @@
           <p:cNvSpPr txBox="1">
             <a:extLst>
               <a:ext uri="smNativeData">
-                <pr:smNativeData xmlns:pr="smNativeData" val="SMDATA_13_IrKAXRMAAAAlAAAAEgAAAE8BAAAAkAAAAEgAAACQAAAASAAAAAAAAAAAAAAAAAAAAAEAAABQAAAAAAAAAAAA4D8AAAAAAADgPwAAAAAAAOA/AAAAAAAA4D8AAAAAAADgPwAAAAAAAOA/AAAAAAAA4D8AAAAAAADgPwAAAAAAAOA/AAAAAAAA4D8CAAAAjAAAAAAAAAAAAAAAu+DjDP///wgAAAAAAAAAAAAAAAAAAAAAAAAAAAAAAAAAAAAAZAAAAAEAAABAAAAAAAAAAAAAAAAAAAAAAAAAAAAAAAAAAAAAAAAAAAAAAAAAAAAAAAAAAAAAAAAAAAAAAAAAAAAAAAAAAAAAAAAAAAAAAAAAAAAAAAAAAAAAAAAAAAAAFAAAADwAAAAAAAAAAAAAAAAAAAkUAAAAAQAAABQAAAAUAAAAFAAAAAEAAAAAAAAAZAAAAGQAAAAAAAAAZAAAAGQAAAAVAAAAYAAAAAAAAAAAAAAADwAAACADAAAAAAAAAAAAAAEAAACgMgAAVgcAAKr4//8BAAAAf39/AAEAAABkAAAAAAAAABQAAABAHwAAAAAAACYAAAAAAAAAwOD//wAAAAAmAAAAZAAAABYAAABMAAAAAAAAAAAAAAAEAAAAAAAAAAEAAACAgIAKAAAAACgAAAAoAAAAZAAAAGQAAAAAAAAAzMzMAAAAAABQAAAAUAAAAGQAAABkAAAAAAAAABcAAAAUAAAAAAAAANwIAAD/fwAA/38AAAAAAAAJAAAABAAAAAAAAAAMAAAAEAAAAAAAAAAAAAAAAAAAAAAAAAAeAAAAaAAAAAAAAAAAAAAAAAAAAAAAAAAAAAAAECcAABAnAAAAAAAAAAAAAAAAAAAAAAAAAAAAAAAAAAAAAAAAAAAAABQAAAAAAAAAwMD/AAAAAABkAAAAMgAAAAAAAABkAAAAAAAAAH9/fwAKAAAAHwAAAFQAAAC74OMF////AQAAAAAAAAAAAAAAAAAAAAAAAAAAAAAAAAAAAAAAAAAAAAAAAn9/fwCAgIADzMzMAMDA/wB/f38AAAAAAAAAAAAAAAAAAAAAAAAAAAAhAAAAGAAAABQAAADIHwAAbwsAABY0AADfDQAAECAAACYAAAAIAAAA//////////8="/>
+                <pr:smNativeData xmlns:pr="smNativeData" val="SMDATA_13_gcGAXRMAAAAlAAAAEgAAAE8BAAAAkAAAAEgAAACQAAAASAAAAAAAAAAAAAAAAAAAAAEAAABQAAAAAAAAAAAA4D8AAAAAAADgPwAAAAAAAOA/AAAAAAAA4D8AAAAAAADgPwAAAAAAAOA/AAAAAAAA4D8AAAAAAADgPwAAAAAAAOA/AAAAAAAA4D8CAAAAjAAAAAAAAAAAAAAAu+DjDP///wgAAAAAAAAAAAAAAAAAAAAAAAAAAAAAAAAAAAAAZAAAAAEAAABAAAAAAAAAAAAAAAAAAAAAAAAAAAAAAAAAAAAAAAAAAAAAAAAAAAAAAAAAAAAAAAAAAAAAAAAAAAAAAAAAAAAAAAAAAAAAAAAAAAAAAAAAAAAAAAAAAAAAFAAAADwAAAAAAAAAAAAAAAAAAAkUAAAAAQAAABQAAAAUAAAAFAAAAAEAAAAAAAAAZAAAAGQAAAAAAAAAZAAAAGQAAAAVAAAAYAAAAAAAAAAAAAAADwAAACADAAAAAAAAAAAAAAEAAACgMgAAVgcAAKr4//8BAAAAf39/AAEAAABkAAAAAAAAABQAAABAHwAAAAAAACYAAAAAAAAAwOD//wAAAAAmAAAAZAAAABYAAABMAAAAAAAAAAAAAAAEAAAAAAAAAAEAAACAgIAKAAAAACgAAAAoAAAAZAAAAGQAAAAAAAAAzMzMAAAAAABQAAAAUAAAAGQAAABkAAAAAAAAABcAAAAUAAAAAAAAANwIAAD/fwAA/38AAAAAAAAJAAAABAAAAAAAAAAMAAAAEAAAAAAAAAAAAAAAAAAAAAAAAAAeAAAAaAAAAAAAAAAAAAAAAAAAAAAAAAAAAAAAECcAABAnAAAAAAAAAAAAAAAAAAAAAAAAAAAAAAAAAAAAAAAAAAAAABQAAAAAAAAAwMD/AAAAAABkAAAAMgAAAAAAAABkAAAAAAAAAH9/fwAKAAAAHwAAAFQAAAC74OMF////AQAAAAAAAAAAAAAAAAAAAAAAAAAAAAAAAAAAAAAAAAAAAAAAAn9/fwCAgIADzMzMAMDA/wB/f38AAAAAAAAAAAAAAAAAAAAAAAAAAAAhAAAAGAAAABQAAADIHwAAbwsAABY0AADfDQAAECAAACYAAAAIAAAA//////////8="/>
               </a:ext>
             </a:extLst>
           </p:cNvSpPr>
@@ -16712,7 +16712,7 @@
           <p:cNvSpPr>
             <a:extLst>
               <a:ext uri="smNativeData">
-                <pr:smNativeData xmlns:pr="smNativeData" val="SMDATA_13_IrKAXRMAAAAlAAAAZAAAAA8BAAAAkAAAAEgAAACQAAAASAAAAAAAAAAAAAAAAAAAAAEAAABQAAAAAAAAAAAA4D8AAAAAAADgPwAAAAAAAOA/AAAAAAAA4D8AAAAAAADgPwAAAAAAAOA/AAAAAAAA4D8AAAAAAADgPwAAAAAAAOA/AAAAAAAA4D8CAAAAjAAAAAEAAAAAAAAAHh4eAP///wgAAAAAAAAAAAAAAAAAAAAAAAAAAAAAAAAAAAAAZAAAAAEAAABAAAAAAAAAAAAAAAAAAAAAAAAAAAAAAAAAAAAAAAAAAAAAAAAAAAAAAAAAAAAAAAAAAAAAAAAAAAAAAAAAAAAAAAAAAAAAAAAAAAAAAAAAAAAAAAAAAAAAFAAAADwAAAAAAAAAAAAAAAAAAAkAAAAAAQAAAAAAAAAAAAAAAAAAAAAAAAAAAAAAZAAAAGQAAAAAAAAAZAAAAGQAAAAVAAAAYAAAAAAAAAAAAAAADwAAACADAAAAAAAAAAAAAAEAAACgMgAAAAAAAAAAAAABAAAAf39/AAEAAABkAAAAAAAAABQAAABAHwAAAAAAACYAAAAAAAAAwOD//wAAAAAmAAAAZAAAABYAAABMAAAAAAAAAAAAAAAEAAAAAAAAAAEAAACAgIAKAAAAACgAAAAoAAAAZAAAAGQAAAAAAAAAzMzMAAAAAABQAAAAUAAAAGQAAABkAAAAAAAAABcAAAAUAAAAAAAAAAAAAAD/fwAA/38AAAAAAAAJAAAABAAAAAAAAAAMAAAAEAAAAAAAAAAAAAAAAAAAAAAAAAAeAAAAaAAAAAAAAAAAAAAAAAAAAAAAAAAAAAAAECcAABAnAAAAAAAAAAAAAAAAAAAAAAAAAAAAAAAAAAAAAAAAAAAAABQAAAAAAAAAwMD/AAAAAABkAAAAMgAAAAAAAABkAAAAAAAAAH9/fwAKAAAAHwAAAFQAAAAeHh4A////AQAAAAAAAAAAAAAAAAAAAAAAAAAAAAAAAAAAAAAAAAAAAAAAAn9/fwCAgIADzMzMAMDA/wB/f38AAAAAAAAAAAAAAAAAAAAAAAAAAAAhAAAAGAAAABQAAAAAAAAAZQcAAEA4AAC4CAAAEAAAACYAAAAIAAAA//////////8="/>
+                <pr:smNativeData xmlns:pr="smNativeData" val="SMDATA_13_gcGAXRMAAAAlAAAAZAAAAA8BAAAAkAAAAEgAAACQAAAASAAAAAAAAAAAAAAAAAAAAAEAAABQAAAAAAAAAAAA4D8AAAAAAADgPwAAAAAAAOA/AAAAAAAA4D8AAAAAAADgPwAAAAAAAOA/AAAAAAAA4D8AAAAAAADgPwAAAAAAAOA/AAAAAAAA4D8CAAAAjAAAAAEAAAAAAAAAHh4eAP///wgAAAAAAAAAAAAAAAAAAAAAAAAAAAAAAAAAAAAAZAAAAAEAAABAAAAAAAAAAAAAAAAAAAAAAAAAAAAAAAAAAAAAAAAAAAAAAAAAAAAAAAAAAAAAAAAAAAAAAAAAAAAAAAAAAAAAAAAAAAAAAAAAAAAAAAAAAAAAAAAAAAAAFAAAADwAAAAAAAAAAAAAAAAAAAkAAAAAAQAAAAAAAAAAAAAAAAAAAAAAAAAAAAAAZAAAAGQAAAAAAAAAZAAAAGQAAAAVAAAAYAAAAAAAAAAAAAAADwAAACADAAAAAAAAAAAAAAEAAACgMgAAAAAAAAAAAAABAAAAf39/AAEAAABkAAAAAAAAABQAAABAHwAAAAAAACYAAAAAAAAAwOD//wAAAAAmAAAAZAAAABYAAABMAAAAAAAAAAAAAAAEAAAAAAAAAAEAAACAgIAKAAAAACgAAAAoAAAAZAAAAGQAAAAAAAAAzMzMAAAAAABQAAAAUAAAAGQAAABkAAAAAAAAABcAAAAUAAAAAAAAAAAAAAD/fwAA/38AAAAAAAAJAAAABAAAAAAAAAAMAAAAEAAAAAAAAAAAAAAAAAAAAAAAAAAeAAAAaAAAAAAAAAAAAAAAAAAAAAAAAAAAAAAAECcAABAnAAAAAAAAAAAAAAAAAAAAAAAAAAAAAAAAAAAAAAAAAAAAABQAAAAAAAAAwMD/AAAAAABkAAAAMgAAAAAAAABkAAAAAAAAAH9/fwAKAAAAHwAAAFQAAAAeHh4A////AQAAAAAAAAAAAAAAAAAAAAAAAAAAAAAAAAAAAAAAAAAAAAAAAn9/fwCAgIADzMzMAMDA/wB/f38AAAAAAAAAAAAAAAAAAAAAAAAAAAAhAAAAGAAAABQAAAAAAAAAZQcAAEA4AAC4CAAAEAAAACYAAAAIAAAA//////////8="/>
               </a:ext>
             </a:extLst>
           </p:cNvSpPr>
@@ -16781,7 +16781,7 @@
           <p:cNvSpPr>
             <a:extLst>
               <a:ext uri="smNativeData">
-                <pr:smNativeData xmlns:pr="smNativeData" val="SMDATA_13_IrKAXRMAAAAlAAAAZAAAAA8BAAAAkAAAAEgAAACQAAAASAAAAAAAAAAAAAAAAAAAAAEAAABQAAAAAAAAAAAA4D8AAAAAAADgPwAAAAAAAOA/AAAAAAAA4D8AAAAAAADgPwAAAAAAAOA/AAAAAAAA4D8AAAAAAADgPwAAAAAAAOA/AAAAAAAA4D8CAAAAjAAAAAEAAAAAAAAA0+qqAP///wgAAAAAAAAAAAAAAAAAAAAAAAAAAAAAAAAAAAAAZAAAAAEAAABAAAAAAAAAAAAAAAAAAAAAAAAAAAAAAAAAAAAAAAAAAAAAAAAAAAAAAAAAAAAAAAAAAAAAAAAAAAAAAAAAAAAAAAAAAAAAAAAAAAAAAAAAAAAAAAAAAAAAFAAAADwAAAAAAAAAAAAAAAAAAAkAAAAAAQAAAAAAAAAAAAAAAAAAAAAAAAAAAAAAZAAAAGQAAAAAAAAAZAAAAGQAAAAVAAAAYAAAAAAAAAAAAAAADwAAACADAAAAAAAAAAAAAAEAAACgMgAAAAAAAAAAAAABAAAAf39/AAEAAABkAAAAAAAAABQAAABAHwAAAAAAACYAAAAAAAAAwOD//wAAAAAmAAAAZAAAABYAAABMAAAAAAAAAAAAAAAEAAAAAAAAAAEAAACAgIAKAAAAACgAAAAoAAAAZAAAAGQAAAAAAAAAzMzMAAAAAABQAAAAUAAAAGQAAABkAAAAAAAAABcAAAAUAAAAAAAAAAAAAAD/fwAA/38AAAAAAAAJAAAABAAAAAAAAAAMAAAAEAAAAAAAAAAAAAAAAAAAAAAAAAAeAAAAaAAAAAAAAAAAAAAAAAAAAAAAAAAAAAAAECcAABAnAAAAAAAAAAAAAAAAAAAAAAAAAAAAAAAAAAAAAAAAAAAAABQAAAAAAAAAwMD/AAAAAABkAAAAMgAAAAAAAABkAAAAAAAAAH9/fwAKAAAAHwAAAFQAAADT6qoA////AQAAAAAAAAAAAAAAAAAAAAAAAAAAAAAAAAAAAAAAAAAAAAAAAn9/fwCAgIADzMzMAMDA/wB/f38AAAAAAAAAAAAAAAAAAAAAAAAAAAAhAAAAGAAAABQAAAAAAAAA9////0A4AACJBwAAEAAAACYAAAAIAAAA//////////8="/>
+                <pr:smNativeData xmlns:pr="smNativeData" val="SMDATA_13_gcGAXRMAAAAlAAAAZAAAAA8BAAAAkAAAAEgAAACQAAAASAAAAAAAAAAAAAAAAAAAAAEAAABQAAAAAAAAAAAA4D8AAAAAAADgPwAAAAAAAOA/AAAAAAAA4D8AAAAAAADgPwAAAAAAAOA/AAAAAAAA4D8AAAAAAADgPwAAAAAAAOA/AAAAAAAA4D8CAAAAjAAAAAEAAAAAAAAA0+qqAP///wgAAAAAAAAAAAAAAAAAAAAAAAAAAAAAAAAAAAAAZAAAAAEAAABAAAAAAAAAAAAAAAAAAAAAAAAAAAAAAAAAAAAAAAAAAAAAAAAAAAAAAAAAAAAAAAAAAAAAAAAAAAAAAAAAAAAAAAAAAAAAAAAAAAAAAAAAAAAAAAAAAAAAFAAAADwAAAAAAAAAAAAAAAAAAAkAAAAAAQAAAAAAAAAAAAAAAAAAAAAAAAAAAAAAZAAAAGQAAAAAAAAAZAAAAGQAAAAVAAAAYAAAAAAAAAAAAAAADwAAACADAAAAAAAAAAAAAAEAAACgMgAAAAAAAAAAAAABAAAAf39/AAEAAABkAAAAAAAAABQAAABAHwAAAAAAACYAAAAAAAAAwOD//wAAAAAmAAAAZAAAABYAAABMAAAAAAAAAAAAAAAEAAAAAAAAAAEAAACAgIAKAAAAACgAAAAoAAAAZAAAAGQAAAAAAAAAzMzMAAAAAABQAAAAUAAAAGQAAABkAAAAAAAAABcAAAAUAAAAAAAAAAAAAAD/fwAA/38AAAAAAAAJAAAABAAAAAAAAAAMAAAAEAAAAAAAAAAAAAAAAAAAAAAAAAAeAAAAaAAAAAAAAAAAAAAAAAAAAAAAAAAAAAAAECcAABAnAAAAAAAAAAAAAAAAAAAAAAAAAAAAAAAAAAAAAAAAAAAAABQAAAAAAAAAwMD/AAAAAABkAAAAMgAAAAAAAABkAAAAAAAAAH9/fwAKAAAAHwAAAFQAAADT6qoA////AQAAAAAAAAAAAAAAAAAAAAAAAAAAAAAAAAAAAAAAAAAAAAAAAn9/fwCAgIADzMzMAMDA/wB/f38AAAAAAAAAAAAAAAAAAAAAAAAAAAAhAAAAGAAAABQAAAAAAAAA9////0A4AACJBwAAEAAAACYAAAAIAAAA//////////8="/>
               </a:ext>
             </a:extLst>
           </p:cNvSpPr>
@@ -16810,7 +16810,7 @@
           <p:cNvSpPr>
             <a:extLst>
               <a:ext uri="smNativeData">
-                <pr:smNativeData xmlns:pr="smNativeData" val="SMDATA_13_IrKAXRMAAAAlAAAAZAAAAA8BAAAAkAAAAEgAAACQAAAASAAAAAAAAAABAAAAAAAAAAEAAABQAAAAAAAAAAAA4D8AAAAAAADgPwAAAAAAAOA/AAAAAAAA4D8AAAAAAADgPwAAAAAAAOA/AAAAAAAA4D8AAAAAAADgPwAAAAAAAOA/AAAAAAAA4D8CAAAAjAAAAAAAAAAAAAAAu+DjDP///wgAAAAAAAAAAAAAAAAAAAAAAAAAAAAAAAAAAAAAZAAAAAEAAABAAAAAAAAAAAAAAAAAAAAAAAAAAAAAAAAAAAAAAAAAAAAAAAAAAAAAAAAAAAAAAAAAAAAAAAAAAAAAAAAAAAAAAAAAAAAAAAAAAAAAAAAAAAAAAAAAAAAAFAAAADwAAAAAAAAAAAAAAAAAAAkUAAAAAQAAABQAAAAUAAAAFAAAAAEAAAAAAAAAZAAAAGQAAAAAAAAAZAAAAGQAAAAVAAAAYAAAAAAAAAAAAAAADwAAACADAAAAAAAAAAAAAAEAAACgMgAAVgcAAKr4//8BAAAAf39/AAEAAABkAAAAAAAAABQAAABAHwAAAAAAACYAAAAAAAAAwOD//wAAAAAmAAAAZAAAABYAAABMAAAAAAAAAAAAAAAEAAAAAAAAAAEAAACAgIAKAAAAACgAAAAoAAAAZAAAAGQAAAAAAAAAzMzMAAAAAABQAAAAUAAAAGQAAABkAAAAAAAAABcAAAAUAAAAAAAAAAAAAAD/fwAA/38AAAAAAAAJAAAABAAAAAAAAAAMAAAAEAAAAAAAAAAAAAAAAAAAAAAAAAAeAAAAaAAAAAAAAAAAAAAAAAAAAAAAAAAAAAAAECcAABAnAAAAAAAAAAAAAAAAAAAAAAAAAAAAAAAAAAAAAAAAAAAAABQAAAAAAAAAwMD/AAAAAABkAAAAMgAAAAAAAABkAAAAAAAAAH9/fwAKAAAAHwAAAFQAAAC74OMF////AQAAAAAAAAAAAAAAAAAAAAAAAAAAAAAAAAAAAAAAAAAAAAAAAn9/fwCAgIADzMzMAMDA/wB/f38AAAAAAAAAAAAAAAAAAAAAAAAAAAAhAAAAGAAAABQAAABqBAAAiAMAABY0AAAoBwAAEAAAACYAAAAIAAAA//////////8="/>
+                <pr:smNativeData xmlns:pr="smNativeData" val="SMDATA_13_gcGAXRMAAAAlAAAAZAAAAA8BAAAAkAAAAEgAAACQAAAASAAAAAAAAAABAAAAAAAAAAEAAABQAAAAAAAAAAAA4D8AAAAAAADgPwAAAAAAAOA/AAAAAAAA4D8AAAAAAADgPwAAAAAAAOA/AAAAAAAA4D8AAAAAAADgPwAAAAAAAOA/AAAAAAAA4D8CAAAAjAAAAAAAAAAAAAAAu+DjDP///wgAAAAAAAAAAAAAAAAAAAAAAAAAAAAAAAAAAAAAZAAAAAEAAABAAAAAAAAAAAAAAAAAAAAAAAAAAAAAAAAAAAAAAAAAAAAAAAAAAAAAAAAAAAAAAAAAAAAAAAAAAAAAAAAAAAAAAAAAAAAAAAAAAAAAAAAAAAAAAAAAAAAAFAAAADwAAAAAAAAAAAAAAAAAAAkUAAAAAQAAABQAAAAUAAAAFAAAAAEAAAAAAAAAZAAAAGQAAAAAAAAAZAAAAGQAAAAVAAAAYAAAAAAAAAAAAAAADwAAACADAAAAAAAAAAAAAAEAAACgMgAAVgcAAKr4//8BAAAAf39/AAEAAABkAAAAAAAAABQAAABAHwAAAAAAACYAAAAAAAAAwOD//wAAAAAmAAAAZAAAABYAAABMAAAAAAAAAAAAAAAEAAAAAAAAAAEAAACAgIAKAAAAACgAAAAoAAAAZAAAAGQAAAAAAAAAzMzMAAAAAABQAAAAUAAAAGQAAABkAAAAAAAAABcAAAAUAAAAAAAAAAAAAAD/fwAA/38AAAAAAAAJAAAABAAAAAAAAAAMAAAAEAAAAAAAAAAAAAAAAAAAAAAAAAAeAAAAaAAAAAAAAAAAAAAAAAAAAAAAAAAAAAAAECcAABAnAAAAAAAAAAAAAAAAAAAAAAAAAAAAAAAAAAAAAAAAAAAAABQAAAAAAAAAwMD/AAAAAABkAAAAMgAAAAAAAABkAAAAAAAAAH9/fwAKAAAAHwAAAFQAAAC74OMF////AQAAAAAAAAAAAAAAAAAAAAAAAAAAAAAAAAAAAAAAAAAAAAAAAn9/fwCAgIADzMzMAMDA/wB/f38AAAAAAAAAAAAAAAAAAAAAAAAAAAAhAAAAGAAAABQAAABqBAAAiAMAABY0AAAoBwAAEAAAACYAAAAIAAAA//////////8="/>
               </a:ext>
             </a:extLst>
           </p:cNvSpPr>
@@ -16856,7 +16856,7 @@
           <p:cNvSpPr txBox="1">
             <a:extLst>
               <a:ext uri="smNativeData">
-                <pr:smNativeData xmlns:pr="smNativeData" val="SMDATA_13_IrKAXRMAAAAlAAAAEgAAAE8BAAAAkAAAAEgAAACQAAAASAAAAAAAAAAAAAAAAAAAAAEAAABQAAAAAAAAAAAA4D8AAAAAAADgPwAAAAAAAOA/AAAAAAAA4D8AAAAAAADgPwAAAAAAAOA/AAAAAAAA4D8AAAAAAADgPwAAAAAAAOA/AAAAAAAA4D8CAAAAjAAAAAAAAAAAAAAAu+DjDP///wgAAAAAAAAAAAAAAAAAAAAAAAAAAAAAAAAAAAAAZAAAAAEAAABAAAAAAAAAAAAAAAAAAAAAAAAAAAAAAAAAAAAAAAAAAAAAAAAAAAAAAAAAAAAAAAAAAAAAAAAAAAAAAAAAAAAAAAAAAAAAAAAAAAAAAAAAAAAAAAAAAAAAFAAAADwAAAAAAAAAAAAAAAAAAAkUAAAAAQAAABQAAAAUAAAAFAAAAAEAAAAAAAAAZAAAAGQAAAAAAAAAZAAAAGQAAAAVAAAAYAAAAAAAAAAAAAAADwAAACADAAAAAAAAAAAAAAEAAACgMgAAVgcAAKr4//8BAAAAf39/AAEAAABkAAAAAAAAABQAAABAHwAAAAAAACYAAAAAAAAAwOD//wAAAAAmAAAAZAAAABYAAABMAAAAAAAAAAAAAAAEAAAAAAAAAAEAAACAgIAKAAAAACgAAAAoAAAAZAAAAGQAAAAAAAAAzMzMAAAAAABQAAAAUAAAAGQAAABkAAAAAAAAABcAAAAUAAAAAAAAANwIAAD/fwAA/38AAAAAAAAJAAAABAAAAAAAAAAMAAAAEAAAAAAAAAAAAAAAAAAAAAAAAAAeAAAAaAAAAAAAAAAAAAAAAAAAAAAAAAAAAAAAECcAABAnAAAAAAAAAAAAAAAAAAAAAAAAAAAAAAAAAAAAAAAAAAAAABQAAAAAAAAAwMD/AAAAAABkAAAAMgAAAAAAAABkAAAAAAAAAH9/fwAKAAAAHwAAAFQAAAC74OMF////AQAAAAAAAAAAAAAAAAAAAAAAAAAAAAAAAAAAAAAAAAAAAAAAAn9/fwCAgIADzMzMAMDA/wB/f38AAAAAAAAAAAAAAAAAAAAAAAAAAAAhAAAAGAAAABQAAABqBAAA5wcAABY0AAAnCgAAECAAACYAAAAIAAAA//////////8="/>
+                <pr:smNativeData xmlns:pr="smNativeData" val="SMDATA_13_gcGAXRMAAAAlAAAAEgAAAE8BAAAAkAAAAEgAAACQAAAASAAAAAAAAAAAAAAAAAAAAAEAAABQAAAAAAAAAAAA4D8AAAAAAADgPwAAAAAAAOA/AAAAAAAA4D8AAAAAAADgPwAAAAAAAOA/AAAAAAAA4D8AAAAAAADgPwAAAAAAAOA/AAAAAAAA4D8CAAAAjAAAAAAAAAAAAAAAu+DjDP///wgAAAAAAAAAAAAAAAAAAAAAAAAAAAAAAAAAAAAAZAAAAAEAAABAAAAAAAAAAAAAAAAAAAAAAAAAAAAAAAAAAAAAAAAAAAAAAAAAAAAAAAAAAAAAAAAAAAAAAAAAAAAAAAAAAAAAAAAAAAAAAAAAAAAAAAAAAAAAAAAAAAAAFAAAADwAAAAAAAAAAAAAAAAAAAkUAAAAAQAAABQAAAAUAAAAFAAAAAEAAAAAAAAAZAAAAGQAAAAAAAAAZAAAAGQAAAAVAAAAYAAAAAAAAAAAAAAADwAAACADAAAAAAAAAAAAAAEAAACgMgAAVgcAAKr4//8BAAAAf39/AAEAAABkAAAAAAAAABQAAABAHwAAAAAAACYAAAAAAAAAwOD//wAAAAAmAAAAZAAAABYAAABMAAAAAAAAAAAAAAAEAAAAAAAAAAEAAACAgIAKAAAAACgAAAAoAAAAZAAAAGQAAAAAAAAAzMzMAAAAAABQAAAAUAAAAGQAAABkAAAAAAAAABcAAAAUAAAAAAAAANwIAAD/fwAA/38AAAAAAAAJAAAABAAAAAAAAAAMAAAAEAAAAAAAAAAAAAAAAAAAAAAAAAAeAAAAaAAAAAAAAAAAAAAAAAAAAAAAAAAAAAAAECcAABAnAAAAAAAAAAAAAAAAAAAAAAAAAAAAAAAAAAAAAAAAAAAAABQAAAAAAAAAwMD/AAAAAABkAAAAMgAAAAAAAABkAAAAAAAAAH9/fwAKAAAAHwAAAFQAAAC74OMF////AQAAAAAAAAAAAAAAAAAAAAAAAAAAAAAAAAAAAAAAAAAAAAAAAn9/fwCAgIADzMzMAMDA/wB/f38AAAAAAAAAAAAAAAAAAAAAAAAAAAAhAAAAGAAAABQAAABqBAAA5wcAABY0AAAnCgAAECAAACYAAAAIAAAA//////////8="/>
               </a:ext>
             </a:extLst>
           </p:cNvSpPr>
@@ -16899,7 +16899,7 @@
           <p:cNvSpPr txBox="1">
             <a:extLst>
               <a:ext uri="smNativeData">
-                <pr:smNativeData xmlns:pr="smNativeData" val="SMDATA_13_IrKAXRMAAAAlAAAAEgAAAE8BAAAAkAAAAEgAAACQAAAASAAAAAAAAAAAAAAAAAAAAAEAAABQAAAAAAAAAAAA4D8AAAAAAADgPwAAAAAAAOA/AAAAAAAA4D8AAAAAAADgPwAAAAAAAOA/AAAAAAAA4D8AAAAAAADgPwAAAAAAAOA/AAAAAAAA4D8CAAAAjAAAAAAAAAAAAAAAu+DjDP///wgAAAAAAAAAAAAAAAAAAAAAAAAAAAAAAAAAAAAAZAAAAAEAAABAAAAAAAAAAAAAAAAAAAAAAAAAAAAAAAAAAAAAAAAAAAAAAAAAAAAAAAAAAAAAAAAAAAAAAAAAAAAAAAAAAAAAAAAAAAAAAAAAAAAAAAAAAAAAAAAAAAAAFAAAADwAAAAAAAAAAAAAAAAAAAkUAAAAAQAAABQAAAAUAAAAFAAAAAEAAAAAAAAAZAAAAGQAAAAAAAAAZAAAAGQAAAAVAAAAYAAAAAAAAAAAAAAADwAAACADAAAAAAAAAAAAAAEAAACgMgAAVgcAAKr4//8BAAAAf39/AAEAAABkAAAAAAAAABQAAABAHwAAAAAAACYAAAAAAAAAwOD//wAAAAAmAAAAZAAAABYAAABMAAAAAAAAAAAAAAAEAAAAAAAAAAEAAACAgIAKAAAAACgAAAAoAAAAZAAAAGQAAAAAAAAAzMzMAAAAAABQAAAAUAAAAGQAAABkAAAAAAAAABcAAAAUAAAAAAAAANwIAAD/fwAA/38AAAAAAAAJAAAABAAAAAAAAAAMAAAAEAAAAAAAAAAAAAAAAAAAAAAAAAAeAAAAaAAAAAAAAAAAAAAAAAAAAAAAAAAAAAAAECcAABAnAAAAAAAAAAAAAAAAAAAAAAAAAAAAAAAAAAAAAAAAAAAAABQAAAAAAAAAwMD/AAAAAABkAAAAMgAAAAAAAABkAAAAAAAAAH9/fwAKAAAAHwAAAFQAAAC74OMF////AQAAAAAAAAAAAAAAAAAAAAAAAAAAAAAAAAAAAAAAAAAAAAAAAn9/fwCAgIADzMzMAMDA/wB/f38AAAAAAAAAAAAAAAAAAAAAAAAAAAAhAAAAGAAAABQAAABqBAAAYBkAABY0AACgGwAAECAAACYAAAAIAAAA//////////8="/>
+                <pr:smNativeData xmlns:pr="smNativeData" val="SMDATA_13_gcGAXRMAAAAlAAAAEgAAAE8BAAAAkAAAAEgAAACQAAAASAAAAAAAAAAAAAAAAAAAAAEAAABQAAAAAAAAAAAA4D8AAAAAAADgPwAAAAAAAOA/AAAAAAAA4D8AAAAAAADgPwAAAAAAAOA/AAAAAAAA4D8AAAAAAADgPwAAAAAAAOA/AAAAAAAA4D8CAAAAjAAAAAAAAAAAAAAAu+DjDP///wgAAAAAAAAAAAAAAAAAAAAAAAAAAAAAAAAAAAAAZAAAAAEAAABAAAAAAAAAAAAAAAAAAAAAAAAAAAAAAAAAAAAAAAAAAAAAAAAAAAAAAAAAAAAAAAAAAAAAAAAAAAAAAAAAAAAAAAAAAAAAAAAAAAAAAAAAAAAAAAAAAAAAFAAAADwAAAAAAAAAAAAAAAAAAAkUAAAAAQAAABQAAAAUAAAAFAAAAAEAAAAAAAAAZAAAAGQAAAAAAAAAZAAAAGQAAAAVAAAAYAAAAAAAAAAAAAAADwAAACADAAAAAAAAAAAAAAEAAACgMgAAVgcAAKr4//8BAAAAf39/AAEAAABkAAAAAAAAABQAAABAHwAAAAAAACYAAAAAAAAAwOD//wAAAAAmAAAAZAAAABYAAABMAAAAAAAAAAAAAAAEAAAAAAAAAAEAAACAgIAKAAAAACgAAAAoAAAAZAAAAGQAAAAAAAAAzMzMAAAAAABQAAAAUAAAAGQAAABkAAAAAAAAABcAAAAUAAAAAAAAANwIAAD/fwAA/38AAAAAAAAJAAAABAAAAAAAAAAMAAAAEAAAAAAAAAAAAAAAAAAAAAAAAAAeAAAAaAAAAAAAAAAAAAAAAAAAAAAAAAAAAAAAECcAABAnAAAAAAAAAAAAAAAAAAAAAAAAAAAAAAAAAAAAAAAAAAAAABQAAAAAAAAAwMD/AAAAAABkAAAAMgAAAAAAAABkAAAAAAAAAH9/fwAKAAAAHwAAAFQAAAC74OMF////AQAAAAAAAAAAAAAAAAAAAAAAAAAAAAAAAAAAAAAAAAAAAAAAAn9/fwCAgIADzMzMAMDA/wB/f38AAAAAAAAAAAAAAAAAAAAAAAAAAAAhAAAAGAAAABQAAABqBAAAYBkAABY0AACgGwAAECAAACYAAAAIAAAA//////////8="/>
               </a:ext>
             </a:extLst>
           </p:cNvSpPr>
@@ -16945,7 +16945,7 @@
           <p:cNvSpPr txBox="1">
             <a:extLst>
               <a:ext uri="smNativeData">
-                <pr:smNativeData xmlns:pr="smNativeData" val="SMDATA_13_IrKAXRMAAAAlAAAAEgAAAE8BAAAAkAAAAEgAAACQAAAASAAAAAAAAAAAAAAAAAAAAAEAAABQAAAAAAAAAAAA4D8AAAAAAADgPwAAAAAAAOA/AAAAAAAA4D8AAAAAAADgPwAAAAAAAOA/AAAAAAAA4D8AAAAAAADgPwAAAAAAAOA/AAAAAAAA4D8CAAAAjAAAAAAAAAAAAAAAu+DjDP///wgAAAAAAAAAAAAAAAAAAAAAAAAAAAAAAAAAAAAAZAAAAAEAAABAAAAAAAAAAAAAAAAAAAAAAAAAAAAAAAAAAAAAAAAAAAAAAAAAAAAAAAAAAAAAAAAAAAAAAAAAAAAAAAAAAAAAAAAAAAAAAAAAAAAAAAAAAAAAAAAAAAAAFAAAADwAAAAAAAAAAAAAAAAAAAkUAAAAAQAAABQAAAAUAAAAFAAAAAEAAAAAAAAAZAAAAGQAAAAAAAAAZAAAAGQAAAAVAAAAYAAAAAAAAAAAAAAADwAAACADAAAAAAAAAAAAAAEAAACgMgAAVgcAAKr4//8BAAAAf39/AAEAAABkAAAAAAAAABQAAABAHwAAAAAAACYAAAAAAAAAwOD//wAAAAAmAAAAZAAAABYAAABMAAAAAAAAAAAAAAAEAAAAAAAAAAEAAACAgIAKAAAAACgAAAAoAAAAZAAAAGQAAAAAAAAAzMzMAAAAAABQAAAAUAAAAGQAAABkAAAAAAAAABcAAAAUAAAAAAAAANwIAAD/fwAA/38AAAAAAAAJAAAABAAAAAAAAAAMAAAAEAAAAAAAAAAAAAAAAAAAAAAAAAAeAAAAaAAAAAAAAAAAAAAAAAAAAAAAAAAAAAAAECcAABAnAAAAAAAAAAAAAAAAAAAAAAAAAAAAAAAAAAAAAAAAAAAAABQAAAAAAAAAwMD/AAAAAABkAAAAMgAAAAAAAABkAAAAAAAAAH9/fwAKAAAAHwAAAFQAAAC74OMF////AQAAAAAAAAAAAAAAAAAAAAAAAAAAAAAAAAAAAAAAAAAAAAAAAn9/fwCAgIADzMzMAMDA/wB/f38AAAAAAAAAAAAAAAAAAAAAAAAAAAAhAAAAGAAAABQAAABqBAAA+xsAABY0AAA7HgAAECAAACYAAAAIAAAA//////////8="/>
+                <pr:smNativeData xmlns:pr="smNativeData" val="SMDATA_13_gcGAXRMAAAAlAAAAEgAAAE8BAAAAkAAAAEgAAACQAAAASAAAAAAAAAAAAAAAAAAAAAEAAABQAAAAAAAAAAAA4D8AAAAAAADgPwAAAAAAAOA/AAAAAAAA4D8AAAAAAADgPwAAAAAAAOA/AAAAAAAA4D8AAAAAAADgPwAAAAAAAOA/AAAAAAAA4D8CAAAAjAAAAAAAAAAAAAAAu+DjDP///wgAAAAAAAAAAAAAAAAAAAAAAAAAAAAAAAAAAAAAZAAAAAEAAABAAAAAAAAAAAAAAAAAAAAAAAAAAAAAAAAAAAAAAAAAAAAAAAAAAAAAAAAAAAAAAAAAAAAAAAAAAAAAAAAAAAAAAAAAAAAAAAAAAAAAAAAAAAAAAAAAAAAAFAAAADwAAAAAAAAAAAAAAAAAAAkUAAAAAQAAABQAAAAUAAAAFAAAAAEAAAAAAAAAZAAAAGQAAAAAAAAAZAAAAGQAAAAVAAAAYAAAAAAAAAAAAAAADwAAACADAAAAAAAAAAAAAAEAAACgMgAAVgcAAKr4//8BAAAAf39/AAEAAABkAAAAAAAAABQAAABAHwAAAAAAACYAAAAAAAAAwOD//wAAAAAmAAAAZAAAABYAAABMAAAAAAAAAAAAAAAEAAAAAAAAAAEAAACAgIAKAAAAACgAAAAoAAAAZAAAAGQAAAAAAAAAzMzMAAAAAABQAAAAUAAAAGQAAABkAAAAAAAAABcAAAAUAAAAAAAAANwIAAD/fwAA/38AAAAAAAAJAAAABAAAAAAAAAAMAAAAEAAAAAAAAAAAAAAAAAAAAAAAAAAeAAAAaAAAAAAAAAAAAAAAAAAAAAAAAAAAAAAAECcAABAnAAAAAAAAAAAAAAAAAAAAAAAAAAAAAAAAAAAAAAAAAAAAABQAAAAAAAAAwMD/AAAAAABkAAAAMgAAAAAAAABkAAAAAAAAAH9/fwAKAAAAHwAAAFQAAAC74OMF////AQAAAAAAAAAAAAAAAAAAAAAAAAAAAAAAAAAAAAAAAAAAAAAAAn9/fwCAgIADzMzMAMDA/wB/f38AAAAAAAAAAAAAAAAAAAAAAAAAAAAhAAAAGAAAABQAAABqBAAA+xsAABY0AAA7HgAAECAAACYAAAAIAAAA//////////8="/>
               </a:ext>
             </a:extLst>
           </p:cNvSpPr>
@@ -16991,7 +16991,7 @@
           <p:cNvSpPr txBox="1">
             <a:extLst>
               <a:ext uri="smNativeData">
-                <pr:smNativeData xmlns:pr="smNativeData" val="SMDATA_13_IrKAXRMAAAAlAAAAEgAAAE8BAAAAkAAAAEgAAACQAAAASAAAAAAAAAAAAAAAAAAAAAEAAABQAAAAAAAAAAAA4D8AAAAAAADgPwAAAAAAAOA/AAAAAAAA4D8AAAAAAADgPwAAAAAAAOA/AAAAAAAA4D8AAAAAAADgPwAAAAAAAOA/AAAAAAAA4D8CAAAAjAAAAAAAAAAAAAAAu+DjDP///wgAAAAAAAAAAAAAAAAAAAAAAAAAAAAAAAAAAAAAZAAAAAEAAABAAAAAAAAAAAAAAAAAAAAAAAAAAAAAAAAAAAAAAAAAAAAAAAAAAAAAAAAAAAAAAAAAAAAAAAAAAAAAAAAAAAAAAAAAAAAAAAAAAAAAAAAAAAAAAAAAAAAAFAAAADwAAAAAAAAAAAAAAAAAAAkUAAAAAQAAABQAAAAUAAAAFAAAAAEAAAAAAAAAZAAAAGQAAAAAAAAAZAAAAGQAAAAVAAAAYAAAAAAAAAAAAAAADwAAACADAAAAAAAAAAAAAAEAAACgMgAAVgcAAKr4//8BAAAAf39/AAEAAABkAAAAAAAAABQAAABAHwAAAAAAACYAAAAAAAAAwOD//wAAAAAmAAAAZAAAABYAAABMAAAAAAAAAAAAAAAEAAAAAAAAAAEAAACAgIAKAAAAACgAAAAoAAAAZAAAAGQAAAAAAAAAzMzMAAAAAABQAAAAUAAAAGQAAABkAAAAAAAAABcAAAAUAAAAAAAAANwIAAD/fwAA/38AAAAAAAAJAAAABAAAAAAAAAAMAAAAEAAAAAAAAAAAAAAAAAAAAAAAAAAeAAAAaAAAAAAAAAAAAAAAAAAAAAAAAAAAAAAAECcAABAnAAAAAAAAAAAAAAAAAAAAAAAAAAAAAAAAAAAAAAAAAAAAABQAAAAAAAAAwMD/AAAAAABkAAAAMgAAAAAAAABkAAAAAAAAAH9/fwAKAAAAHwAAAFQAAAC74OMF////AQAAAAAAAAAAAAAAAAAAAAAAAAAAAAAAAAAAAAAAAAAAAAAAAn9/fwCAgIADzMzMAMDA/wB/f38AAAAAAAAAAAAAAAAAAAAAAAAAAAAhAAAAGAAAABQAAABqBAAA/SEAABY0AAA9JAAAECAAACYAAAAIAAAA//////////8="/>
+                <pr:smNativeData xmlns:pr="smNativeData" val="SMDATA_13_gcGAXRMAAAAlAAAAEgAAAE8BAAAAkAAAAEgAAACQAAAASAAAAAAAAAAAAAAAAAAAAAEAAABQAAAAAAAAAAAA4D8AAAAAAADgPwAAAAAAAOA/AAAAAAAA4D8AAAAAAADgPwAAAAAAAOA/AAAAAAAA4D8AAAAAAADgPwAAAAAAAOA/AAAAAAAA4D8CAAAAjAAAAAAAAAAAAAAAu+DjDP///wgAAAAAAAAAAAAAAAAAAAAAAAAAAAAAAAAAAAAAZAAAAAEAAABAAAAAAAAAAAAAAAAAAAAAAAAAAAAAAAAAAAAAAAAAAAAAAAAAAAAAAAAAAAAAAAAAAAAAAAAAAAAAAAAAAAAAAAAAAAAAAAAAAAAAAAAAAAAAAAAAAAAAFAAAADwAAAAAAAAAAAAAAAAAAAkUAAAAAQAAABQAAAAUAAAAFAAAAAEAAAAAAAAAZAAAAGQAAAAAAAAAZAAAAGQAAAAVAAAAYAAAAAAAAAAAAAAADwAAACADAAAAAAAAAAAAAAEAAACgMgAAVgcAAKr4//8BAAAAf39/AAEAAABkAAAAAAAAABQAAABAHwAAAAAAACYAAAAAAAAAwOD//wAAAAAmAAAAZAAAABYAAABMAAAAAAAAAAAAAAAEAAAAAAAAAAEAAACAgIAKAAAAACgAAAAoAAAAZAAAAGQAAAAAAAAAzMzMAAAAAABQAAAAUAAAAGQAAABkAAAAAAAAABcAAAAUAAAAAAAAANwIAAD/fwAA/38AAAAAAAAJAAAABAAAAAAAAAAMAAAAEAAAAAAAAAAAAAAAAAAAAAAAAAAeAAAAaAAAAAAAAAAAAAAAAAAAAAAAAAAAAAAAECcAABAnAAAAAAAAAAAAAAAAAAAAAAAAAAAAAAAAAAAAAAAAAAAAABQAAAAAAAAAwMD/AAAAAABkAAAAMgAAAAAAAABkAAAAAAAAAH9/fwAKAAAAHwAAAFQAAAC74OMF////AQAAAAAAAAAAAAAAAAAAAAAAAAAAAAAAAAAAAAAAAAAAAAAAAn9/fwCAgIADzMzMAMDA/wB/f38AAAAAAAAAAAAAAAAAAAAAAAAAAAAhAAAAGAAAABQAAABqBAAA/SEAABY0AAA9JAAAECAAACYAAAAIAAAA//////////8="/>
               </a:ext>
             </a:extLst>
           </p:cNvSpPr>
@@ -17037,7 +17037,7 @@
           <p:cNvSpPr txBox="1">
             <a:extLst>
               <a:ext uri="smNativeData">
-                <pr:smNativeData xmlns:pr="smNativeData" val="SMDATA_13_IrKAXRMAAAAlAAAAEgAAAE8BAAAAkAAAAEgAAACQAAAASAAAAAAAAAAAAAAAAAAAAAEAAABQAAAAAAAAAAAA4D8AAAAAAADgPwAAAAAAAOA/AAAAAAAA4D8AAAAAAADgPwAAAAAAAOA/AAAAAAAA4D8AAAAAAADgPwAAAAAAAOA/AAAAAAAA4D8CAAAAjAAAAAAAAAAAAAAAu+DjDP///wgAAAAAAAAAAAAAAAAAAAAAAAAAAAAAAAAAAAAAZAAAAAEAAABAAAAAAAAAAAAAAAAAAAAAAAAAAAAAAAAAAAAAAAAAAAAAAAAAAAAAAAAAAAAAAAAAAAAAAAAAAAAAAAAAAAAAAAAAAAAAAAAAAAAAAAAAAAAAAAAAAAAAFAAAADwAAAAAAAAAAAAAAAAAAAkUAAAAAQAAABQAAAAUAAAAFAAAAAEAAAAAAAAAZAAAAGQAAAAAAAAAZAAAAGQAAAAVAAAAYAAAAAAAAAAAAAAADwAAACADAAAAAAAAAAAAAAEAAACgMgAAVgcAAKr4//8BAAAAf39/AAEAAABkAAAAAAAAABQAAABAHwAAAAAAACYAAAAAAAAAwOD//wAAAAAmAAAAZAAAABYAAABMAAAAAAAAAAAAAAAEAAAAAAAAAAEAAACAgIAKAAAAACgAAAAoAAAAZAAAAGQAAAAAAAAAzMzMAAAAAABQAAAAUAAAAGQAAABkAAAAAAAAABcAAAAUAAAAAAAAANwIAAD/fwAA/38AAAAAAAAJAAAABAAAAPCptwMMAAAAEAAAAAAAAAAAAAAAAAAAAAAAAAAeAAAAaAAAAAAAAAAAAAAAAAAAAAAAAAAAAAAAECcAABAnAAAAAAAAAAAAAAAAAAAAAAAAAAAAAAAAAAAAAAAAAAAAABQAAAAAAAAAwMD/AAAAAABkAAAAMgAAAAAAAABkAAAAAAAAAH9/fwAKAAAAHwAAAFQAAAC74OMF////AQAAAAAAAAAAAAAAAAAAAAAAAAAAAAAAAAAAAAAAAAAAAAAAAn9/fwCAgIADzMzMAMDA/wB/f38AAAAAAAAAAAAAAAAAAAAAAAAAAAAhAAAAGAAAABQAAABqBAAAcSQAABY0AACxJgAAECAAACYAAAAIAAAA//////////8="/>
+                <pr:smNativeData xmlns:pr="smNativeData" val="SMDATA_13_gcGAXRMAAAAlAAAAEgAAAE8BAAAAkAAAAEgAAACQAAAASAAAAAAAAAAAAAAAAAAAAAEAAABQAAAAAAAAAAAA4D8AAAAAAADgPwAAAAAAAOA/AAAAAAAA4D8AAAAAAADgPwAAAAAAAOA/AAAAAAAA4D8AAAAAAADgPwAAAAAAAOA/AAAAAAAA4D8CAAAAjAAAAAAAAAAAAAAAu+DjDP///wgAAAAAAAAAAAAAAAAAAAAAAAAAAAAAAAAAAAAAZAAAAAEAAABAAAAAAAAAAAAAAAAAAAAAAAAAAAAAAAAAAAAAAAAAAAAAAAAAAAAAAAAAAAAAAAAAAAAAAAAAAAAAAAAAAAAAAAAAAAAAAAAAAAAAAAAAAAAAAAAAAAAAFAAAADwAAAAAAAAAAAAAAAAAAAkUAAAAAQAAABQAAAAUAAAAFAAAAAEAAAAAAAAAZAAAAGQAAAAAAAAAZAAAAGQAAAAVAAAAYAAAAAAAAAAAAAAADwAAACADAAAAAAAAAAAAAAEAAACgMgAAVgcAAKr4//8BAAAAf39/AAEAAABkAAAAAAAAABQAAABAHwAAAAAAACYAAAAAAAAAwOD//wAAAAAmAAAAZAAAABYAAABMAAAAAAAAAAAAAAAEAAAAAAAAAAEAAACAgIAKAAAAACgAAAAoAAAAZAAAAGQAAAAAAAAAzMzMAAAAAABQAAAAUAAAAGQAAABkAAAAAAAAABcAAAAUAAAAAAAAANwIAAD/fwAA/38AAAAAAAAJAAAABAAAAPCptwMMAAAAEAAAAAAAAAAAAAAAAAAAAAAAAAAeAAAAaAAAAAAAAAAAAAAAAAAAAAAAAAAAAAAAECcAABAnAAAAAAAAAAAAAAAAAAAAAAAAAAAAAAAAAAAAAAAAAAAAABQAAAAAAAAAwMD/AAAAAABkAAAAMgAAAAAAAABkAAAAAAAAAH9/fwAKAAAAHwAAAFQAAAC74OMF////AQAAAAAAAAAAAAAAAAAAAAAAAAAAAAAAAAAAAAAAAAAAAAAAAn9/fwCAgIADzMzMAMDA/wB/f38AAAAAAAAAAAAAAAAAAAAAAAAAAAAhAAAAGAAAABQAAABqBAAAcSQAABY0AACxJgAAECAAACYAAAAIAAAA//////////8="/>
               </a:ext>
             </a:extLst>
           </p:cNvSpPr>
@@ -17083,7 +17083,7 @@
           <p:cNvSpPr>
             <a:extLst>
               <a:ext uri="smNativeData">
-                <pr:smNativeData xmlns:pr="smNativeData" val="SMDATA_13_IrKAXRMAAAAlAAAAZAAAAA8BAAAAkAAAAEgAAACQAAAASAAAAAAAAAAAAAAAAAAAAAEAAABQAAAAAAAAAAAA4D8AAAAAAADgPwAAAAAAAOA/AAAAAAAA4D8AAAAAAADgPwAAAAAAAOA/AAAAAAAA4D8AAAAAAADgPwAAAAAAAOA/AAAAAAAA4D8CAAAAjAAAAAEAAAAAAAAAHh4eAP///wgAAAAAAAAAAAAAAAAAAAAAAAAAAAAAAAAAAAAAZAAAAAEAAABAAAAAAAAAAAAAAAAAAAAAAAAAAAAAAAAAAAAAAAAAAAAAAAAAAAAAAAAAAAAAAAAAAAAAAAAAAAAAAAAAAAAAAAAAAAAAAAAAAAAAAAAAAAAAAAAAAAAAFAAAADwAAAAAAAAAAAAAAAAAAAkAAAAAAQAAAAAAAAAAAAAAAAAAAAAAAAAAAAAAZAAAAGQAAAAAAAAAZAAAAGQAAAAVAAAAYAAAAAAAAAAAAAAADwAAACADAAAAAAAAAAAAAAEAAACgMgAAAAAAAAAAAAABAAAAf39/AAEAAABkAAAAAAAAABQAAABAHwAAAAAAACYAAAAAAAAAwOD//wAAAAAmAAAAZAAAABYAAABMAAAAAAAAAAAAAAAEAAAAAAAAAAEAAACAgIAKAAAAACgAAAAoAAAAZAAAAGQAAAAAAAAAzMzMAAAAAABQAAAAUAAAAGQAAABkAAAAAAAAABcAAAAUAAAAAAAAAAAAAAD/fwAA/38AAAAAAAAJAAAABAAAADAYIQIMAAAAEAAAAAAAAAAAAAAAAAAAAAAAAAAeAAAAaAAAAAAAAAAAAAAAAAAAAAAAAAAAAAAAECcAABAnAAAAAAAAAAAAAAAAAAAAAAAAAAAAAAAAAAAAAAAAAAAAABQAAAAAAAAAwMD/AAAAAABkAAAAMgAAAAAAAABkAAAAAAAAAH9/fwAKAAAAHwAAAFQAAAAeHh4A////AQAAAAAAAAAAAAAAAAAAAAAAAAAAAAAAAAAAAAAAAAAAAAAAAn9/fwCAgIADzMzMAMDA/wB/f38AAAAAAAAAAAAAAAAAAAAAAAAAAAAhAAAAGAAAABQAAAAAAAAAZQcAAEA4AAC4CAAAEAAAACYAAAAIAAAA//////////8="/>
+                <pr:smNativeData xmlns:pr="smNativeData" val="SMDATA_13_gcGAXRMAAAAlAAAAZAAAAA8BAAAAkAAAAEgAAACQAAAASAAAAAAAAAAAAAAAAAAAAAEAAABQAAAAAAAAAAAA4D8AAAAAAADgPwAAAAAAAOA/AAAAAAAA4D8AAAAAAADgPwAAAAAAAOA/AAAAAAAA4D8AAAAAAADgPwAAAAAAAOA/AAAAAAAA4D8CAAAAjAAAAAEAAAAAAAAAHh4eAP///wgAAAAAAAAAAAAAAAAAAAAAAAAAAAAAAAAAAAAAZAAAAAEAAABAAAAAAAAAAAAAAAAAAAAAAAAAAAAAAAAAAAAAAAAAAAAAAAAAAAAAAAAAAAAAAAAAAAAAAAAAAAAAAAAAAAAAAAAAAAAAAAAAAAAAAAAAAAAAAAAAAAAAFAAAADwAAAAAAAAAAAAAAAAAAAkAAAAAAQAAAAAAAAAAAAAAAAAAAAAAAAAAAAAAZAAAAGQAAAAAAAAAZAAAAGQAAAAVAAAAYAAAAAAAAAAAAAAADwAAACADAAAAAAAAAAAAAAEAAACgMgAAAAAAAAAAAAABAAAAf39/AAEAAABkAAAAAAAAABQAAABAHwAAAAAAACYAAAAAAAAAwOD//wAAAAAmAAAAZAAAABYAAABMAAAAAAAAAAAAAAAEAAAAAAAAAAEAAACAgIAKAAAAACgAAAAoAAAAZAAAAGQAAAAAAAAAzMzMAAAAAABQAAAAUAAAAGQAAABkAAAAAAAAABcAAAAUAAAAAAAAAAAAAAD/fwAA/38AAAAAAAAJAAAABAAAADAYIQIMAAAAEAAAAAAAAAAAAAAAAAAAAAAAAAAeAAAAaAAAAAAAAAAAAAAAAAAAAAAAAAAAAAAAECcAABAnAAAAAAAAAAAAAAAAAAAAAAAAAAAAAAAAAAAAAAAAAAAAABQAAAAAAAAAwMD/AAAAAABkAAAAMgAAAAAAAABkAAAAAAAAAH9/fwAKAAAAHwAAAFQAAAAeHh4A////AQAAAAAAAAAAAAAAAAAAAAAAAAAAAAAAAAAAAAAAAAAAAAAAAn9/fwCAgIADzMzMAMDA/wB/f38AAAAAAAAAAAAAAAAAAAAAAAAAAAAhAAAAGAAAABQAAAAAAAAAZQcAAEA4AAC4CAAAEAAAACYAAAAIAAAA//////////8="/>
               </a:ext>
             </a:extLst>
           </p:cNvSpPr>
@@ -17152,7 +17152,7 @@
           <p:cNvSpPr>
             <a:extLst>
               <a:ext uri="smNativeData">
-                <pr:smNativeData xmlns:pr="smNativeData" val="SMDATA_13_IrKAXRMAAAAlAAAAZAAAAA8BAAAAkAAAAEgAAACQAAAASAAAAAAAAAABAAAAAAAAAAEAAABQAAAAAAAAAAAA4D8AAAAAAADgPwAAAAAAAOA/AAAAAAAA4D8AAAAAAADgPwAAAAAAAOA/AAAAAAAA4D8AAAAAAADgPwAAAAAAAOA/AAAAAAAA4D8CAAAAjAAAAAAAAAAAAAAAu+DjDP///wgAAAAAAAAAAAAAAAAAAAAAAAAAAAAAAAAAAAAAZAAAAAEAAABAAAAAAAAAAAAAAAAAAAAAAAAAAAAAAAAAAAAAAAAAAAAAAAAAAAAAAAAAAAAAAAAAAAAAAAAAAAAAAAAAAAAAAAAAAAAAAAAAAAAAAAAAAAAAAAAAAAAAFAAAADwAAAAAAAAAAAAAAAAAAAkUAAAAAQAAABQAAAAUAAAAFAAAAAEAAAAAAAAAZAAAAGQAAAAAAAAAZAAAAGQAAAAVAAAAYAAAAAAAAAAAAAAADwAAACADAAAAAAAAAAAAAAEAAACgMgAAVgcAAKr4//8BAAAAf39/AAEAAABkAAAAAAAAABQAAABAHwAAAAAAACYAAAAAAAAAwOD//wAAAAAmAAAAZAAAABYAAABMAAAAAAAAAAAAAAAEAAAAAAAAAAEAAACAgIAKAAAAACgAAAAoAAAAZAAAAGQAAAAAAAAAzMzMAAAAAABQAAAAUAAAAGQAAABkAAAAAAAAABcAAAAUAAAAAAAAAAAAAAD/fwAA/38AAAAAAAAJAAAABAAAAHBlPSIMAAAAEAAAAAAAAAAAAAAAAAAAAAAAAAAeAAAAaAAAAAAAAAAAAAAAAAAAAAAAAAAAAAAAECcAABAnAAAAAAAAAAAAAAAAAAAAAAAAAAAAAAAAAAAAAAAAAAAAABQAAAAAAAAAwMD/AAAAAABkAAAAMgAAAAAAAABkAAAAAAAAAH9/fwAKAAAAHwAAAFQAAAC74OMF////AQAAAAAAAAAAAAAAAAAAAAAAAAAAAAAAAAAAAAAAAAAAAAAAAn9/fwCAgIADzMzMAMDA/wB/f38AAAAAAAAAAAAAAAAAAAAAAAAAAAAhAAAAGAAAABQAAABqBAAAiAMAABY0AAAoBwAAEAAAACYAAAAIAAAA//////////8="/>
+                <pr:smNativeData xmlns:pr="smNativeData" val="SMDATA_13_gcGAXRMAAAAlAAAAZAAAAA8BAAAAkAAAAEgAAACQAAAASAAAAAAAAAABAAAAAAAAAAEAAABQAAAAAAAAAAAA4D8AAAAAAADgPwAAAAAAAOA/AAAAAAAA4D8AAAAAAADgPwAAAAAAAOA/AAAAAAAA4D8AAAAAAADgPwAAAAAAAOA/AAAAAAAA4D8CAAAAjAAAAAAAAAAAAAAAu+DjDP///wgAAAAAAAAAAAAAAAAAAAAAAAAAAAAAAAAAAAAAZAAAAAEAAABAAAAAAAAAAAAAAAAAAAAAAAAAAAAAAAAAAAAAAAAAAAAAAAAAAAAAAAAAAAAAAAAAAAAAAAAAAAAAAAAAAAAAAAAAAAAAAAAAAAAAAAAAAAAAAAAAAAAAFAAAADwAAAAAAAAAAAAAAAAAAAkUAAAAAQAAABQAAAAUAAAAFAAAAAEAAAAAAAAAZAAAAGQAAAAAAAAAZAAAAGQAAAAVAAAAYAAAAAAAAAAAAAAADwAAACADAAAAAAAAAAAAAAEAAACgMgAAVgcAAKr4//8BAAAAf39/AAEAAABkAAAAAAAAABQAAABAHwAAAAAAACYAAAAAAAAAwOD//wAAAAAmAAAAZAAAABYAAABMAAAAAAAAAAAAAAAEAAAAAAAAAAEAAACAgIAKAAAAACgAAAAoAAAAZAAAAGQAAAAAAAAAzMzMAAAAAABQAAAAUAAAAGQAAABkAAAAAAAAABcAAAAUAAAAAAAAAAAAAAD/fwAA/38AAAAAAAAJAAAABAAAAHBlPSIMAAAAEAAAAAAAAAAAAAAAAAAAAAAAAAAeAAAAaAAAAAAAAAAAAAAAAAAAAAAAAAAAAAAAECcAABAnAAAAAAAAAAAAAAAAAAAAAAAAAAAAAAAAAAAAAAAAAAAAABQAAAAAAAAAwMD/AAAAAABkAAAAMgAAAAAAAABkAAAAAAAAAH9/fwAKAAAAHwAAAFQAAAC74OMF////AQAAAAAAAAAAAAAAAAAAAAAAAAAAAAAAAAAAAAAAAAAAAAAAAn9/fwCAgIADzMzMAMDA/wB/f38AAAAAAAAAAAAAAAAAAAAAAAAAAAAhAAAAGAAAABQAAABqBAAAiAMAABY0AAAoBwAAEAAAACYAAAAIAAAA//////////8="/>
               </a:ext>
             </a:extLst>
           </p:cNvSpPr>
@@ -17198,7 +17198,7 @@
           <p:cNvSpPr txBox="1">
             <a:extLst>
               <a:ext uri="smNativeData">
-                <pr:smNativeData xmlns:pr="smNativeData" val="SMDATA_13_IrKAXRMAAAAlAAAAEgAAAE8BAAAAkAAAAEgAAACQAAAASAAAAAAAAAAAAAAAAAAAAAEAAABQAAAAAAAAAAAA4D8AAAAAAADgPwAAAAAAAOA/AAAAAAAA4D8AAAAAAADgPwAAAAAAAOA/AAAAAAAA4D8AAAAAAADgPwAAAAAAAOA/AAAAAAAA4D8CAAAAjAAAAAAAAAAAAAAAu+DjDP///wgAAAAAAAAAAAAAAAAAAAAAAAAAAAAAAAAAAAAAZAAAAAEAAABAAAAAAAAAAAAAAAAAAAAAAAAAAAAAAAAAAAAAAAAAAAAAAAAAAAAAAAAAAAAAAAAAAAAAAAAAAAAAAAAAAAAAAAAAAAAAAAAAAAAAAAAAAAAAAAAAAAAAFAAAADwAAAAAAAAAAAAAAAAAAAkUAAAAAQAAABQAAAAUAAAAFAAAAAEAAAAAAAAAZAAAAGQAAAAAAAAAZAAAAGQAAAAVAAAAYAAAAAAAAAAAAAAADwAAACADAAAAAAAAAAAAAAEAAACgMgAAVgcAAKr4//8BAAAAf39/AAEAAABkAAAAAAAAABQAAABAHwAAAAAAACYAAAAAAAAAwOD//wAAAAAmAAAAZAAAABYAAABMAAAAAAAAAAAAAAAEAAAAAAAAAAEAAACAgIAKAAAAACgAAAAoAAAAZAAAAGQAAAAAAAAAzMzMAAAAAABQAAAAUAAAAGQAAABkAAAAAAAAABcAAAAUAAAAAAAAANwIAAD/fwAA/38AAAAAAAAJAAAABAAAADkxNDQMAAAAEAAAAAAAAAAAAAAAAAAAAAAAAAAeAAAAaAAAAAAAAAAAAAAAAAAAAAAAAAAAAAAAECcAABAnAAAAAAAAAAAAAAAAAAAAAAAAAAAAAAAAAAAAAAAAAAAAABQAAAAAAAAAwMD/AAAAAABkAAAAMgAAAAAAAABkAAAAAAAAAH9/fwAKAAAAHwAAAFQAAAC74OMF////AQAAAAAAAAAAAAAAAAAAAAAAAAAAAAAAAAAAAAAAAAAAAAAAAn9/fwCAgIADzMzMAMDA/wB/f38AAAAAAAAAAAAAAAAAAAAAAAAAAAAhAAAAGAAAABQAAABqBAAA5wcAABY0AAAnCgAAECAAACYAAAAIAAAA//////////8="/>
+                <pr:smNativeData xmlns:pr="smNativeData" val="SMDATA_13_gcGAXRMAAAAlAAAAEgAAAE8BAAAAkAAAAEgAAACQAAAASAAAAAAAAAAAAAAAAAAAAAEAAABQAAAAAAAAAAAA4D8AAAAAAADgPwAAAAAAAOA/AAAAAAAA4D8AAAAAAADgPwAAAAAAAOA/AAAAAAAA4D8AAAAAAADgPwAAAAAAAOA/AAAAAAAA4D8CAAAAjAAAAAAAAAAAAAAAu+DjDP///wgAAAAAAAAAAAAAAAAAAAAAAAAAAAAAAAAAAAAAZAAAAAEAAABAAAAAAAAAAAAAAAAAAAAAAAAAAAAAAAAAAAAAAAAAAAAAAAAAAAAAAAAAAAAAAAAAAAAAAAAAAAAAAAAAAAAAAAAAAAAAAAAAAAAAAAAAAAAAAAAAAAAAFAAAADwAAAAAAAAAAAAAAAAAAAkUAAAAAQAAABQAAAAUAAAAFAAAAAEAAAAAAAAAZAAAAGQAAAAAAAAAZAAAAGQAAAAVAAAAYAAAAAAAAAAAAAAADwAAACADAAAAAAAAAAAAAAEAAACgMgAAVgcAAKr4//8BAAAAf39/AAEAAABkAAAAAAAAABQAAABAHwAAAAAAACYAAAAAAAAAwOD//wAAAAAmAAAAZAAAABYAAABMAAAAAAAAAAAAAAAEAAAAAAAAAAEAAACAgIAKAAAAACgAAAAoAAAAZAAAAGQAAAAAAAAAzMzMAAAAAABQAAAAUAAAAGQAAABkAAAAAAAAABcAAAAUAAAAAAAAANwIAAD/fwAA/38AAAAAAAAJAAAABAAAADkxNDQMAAAAEAAAAAAAAAAAAAAAAAAAAAAAAAAeAAAAaAAAAAAAAAAAAAAAAAAAAAAAAAAAAAAAECcAABAnAAAAAAAAAAAAAAAAAAAAAAAAAAAAAAAAAAAAAAAAAAAAABQAAAAAAAAAwMD/AAAAAABkAAAAMgAAAAAAAABkAAAAAAAAAH9/fwAKAAAAHwAAAFQAAAC74OMF////AQAAAAAAAAAAAAAAAAAAAAAAAAAAAAAAAAAAAAAAAAAAAAAAAn9/fwCAgIADzMzMAMDA/wB/f38AAAAAAAAAAAAAAAAAAAAAAAAAAAAhAAAAGAAAABQAAABqBAAA5wcAABY0AAAnCgAAECAAACYAAAAIAAAA//////////8="/>
               </a:ext>
             </a:extLst>
           </p:cNvSpPr>
@@ -17241,7 +17241,7 @@
           <p:cNvSpPr txBox="1">
             <a:extLst>
               <a:ext uri="smNativeData">
-                <pr:smNativeData xmlns:pr="smNativeData" val="SMDATA_13_IrKAXRMAAAAlAAAAEgAAAE8BAAAAkAAAAEgAAACQAAAASAAAAAAAAAAAAAAAAAAAAAEAAABQAAAAAAAAAAAA4D8AAAAAAADgPwAAAAAAAOA/AAAAAAAA4D8AAAAAAADgPwAAAAAAAOA/AAAAAAAA4D8AAAAAAADgPwAAAAAAAOA/AAAAAAAA4D8CAAAAjAAAAAAAAAAAAAAAu+DjDP///wgAAAAAAAAAAAAAAAAAAAAAAAAAAAAAAAAAAAAAZAAAAAEAAABAAAAAAAAAAAAAAAAAAAAAAAAAAAAAAAAAAAAAAAAAAAAAAAAAAAAAAAAAAAAAAAAAAAAAAAAAAAAAAAAAAAAAAAAAAAAAAAAAAAAAAAAAAAAAAAAAAAAAFAAAADwAAAAAAAAAAAAAAAAAAAkUAAAAAQAAABQAAAAUAAAAFAAAAAEAAAAAAAAAZAAAAGQAAAAAAAAAZAAAAGQAAAAVAAAAYAAAAAAAAAAAAAAADwAAACADAAAAAAAAAAAAAAEAAACgMgAAVgcAAKr4//8BAAAAf39/AAEAAABkAAAAAAAAABQAAABAHwAAAAAAACYAAAAAAAAAwOD//wAAAAAmAAAAZAAAABYAAABMAAAAAAAAAAAAAAAEAAAAAAAAAAEAAACAgIAKAAAAACgAAAAoAAAAZAAAAGQAAAAAAAAAzMzMAAAAAABQAAAAUAAAAGQAAABkAAAAAAAAABcAAAAUAAAAAAAAANwIAAD/fwAA/38AAAAAAAAJAAAABAAAAGxyIHYMAAAAEAAAAAAAAAAAAAAAAAAAAAAAAAAeAAAAaAAAAAAAAAAAAAAAAAAAAAAAAAAAAAAAECcAABAnAAAAAAAAAAAAAAAAAAAAAAAAAAAAAAAAAAAAAAAAAAAAABQAAAAAAAAAwMD/AAAAAABkAAAAMgAAAAAAAABkAAAAAAAAAH9/fwAKAAAAHwAAAFQAAAC74OMF////AQAAAAAAAAAAAAAAAAAAAAAAAAAAAAAAAAAAAAAAAAAAAAAAAn9/fwCAgIADzMzMAMDA/wB/f38AAAAAAAAAAAAAAAAAAAAAAAAAAAAhAAAAGAAAABQAAABqBAAAYBkAABY0AACgGwAAECAAACYAAAAIAAAA//////////8="/>
+                <pr:smNativeData xmlns:pr="smNativeData" val="SMDATA_13_gcGAXRMAAAAlAAAAEgAAAE8BAAAAkAAAAEgAAACQAAAASAAAAAAAAAAAAAAAAAAAAAEAAABQAAAAAAAAAAAA4D8AAAAAAADgPwAAAAAAAOA/AAAAAAAA4D8AAAAAAADgPwAAAAAAAOA/AAAAAAAA4D8AAAAAAADgPwAAAAAAAOA/AAAAAAAA4D8CAAAAjAAAAAAAAAAAAAAAu+DjDP///wgAAAAAAAAAAAAAAAAAAAAAAAAAAAAAAAAAAAAAZAAAAAEAAABAAAAAAAAAAAAAAAAAAAAAAAAAAAAAAAAAAAAAAAAAAAAAAAAAAAAAAAAAAAAAAAAAAAAAAAAAAAAAAAAAAAAAAAAAAAAAAAAAAAAAAAAAAAAAAAAAAAAAFAAAADwAAAAAAAAAAAAAAAAAAAkUAAAAAQAAABQAAAAUAAAAFAAAAAEAAAAAAAAAZAAAAGQAAAAAAAAAZAAAAGQAAAAVAAAAYAAAAAAAAAAAAAAADwAAACADAAAAAAAAAAAAAAEAAACgMgAAVgcAAKr4//8BAAAAf39/AAEAAABkAAAAAAAAABQAAABAHwAAAAAAACYAAAAAAAAAwOD//wAAAAAmAAAAZAAAABYAAABMAAAAAAAAAAAAAAAEAAAAAAAAAAEAAACAgIAKAAAAACgAAAAoAAAAZAAAAGQAAAAAAAAAzMzMAAAAAABQAAAAUAAAAGQAAABkAAAAAAAAABcAAAAUAAAAAAAAANwIAAD/fwAA/38AAAAAAAAJAAAABAAAAGxyIHYMAAAAEAAAAAAAAAAAAAAAAAAAAAAAAAAeAAAAaAAAAAAAAAAAAAAAAAAAAAAAAAAAAAAAECcAABAnAAAAAAAAAAAAAAAAAAAAAAAAAAAAAAAAAAAAAAAAAAAAABQAAAAAAAAAwMD/AAAAAABkAAAAMgAAAAAAAABkAAAAAAAAAH9/fwAKAAAAHwAAAFQAAAC74OMF////AQAAAAAAAAAAAAAAAAAAAAAAAAAAAAAAAAAAAAAAAAAAAAAAAn9/fwCAgIADzMzMAMDA/wB/f38AAAAAAAAAAAAAAAAAAAAAAAAAAAAhAAAAGAAAABQAAABqBAAAYBkAABY0AACgGwAAECAAACYAAAAIAAAA//////////8="/>
               </a:ext>
             </a:extLst>
           </p:cNvSpPr>
@@ -17294,7 +17294,7 @@
           <p:cNvSpPr txBox="1">
             <a:extLst>
               <a:ext uri="smNativeData">
-                <pr:smNativeData xmlns:pr="smNativeData" val="SMDATA_13_IrKAXRMAAAAlAAAAEgAAAE8BAAAAkAAAAEgAAACQAAAASAAAAAAAAAAAAAAAAAAAAAEAAABQAAAAAAAAAAAA4D8AAAAAAADgPwAAAAAAAOA/AAAAAAAA4D8AAAAAAADgPwAAAAAAAOA/AAAAAAAA4D8AAAAAAADgPwAAAAAAAOA/AAAAAAAA4D8CAAAAjAAAAAAAAAAAAAAAu+DjDP///wgAAAAAAAAAAAAAAAAAAAAAAAAAAAAAAAAAAAAAZAAAAAEAAABAAAAAAAAAAAAAAAAAAAAAAAAAAAAAAAAAAAAAAAAAAAAAAAAAAAAAAAAAAAAAAAAAAAAAAAAAAAAAAAAAAAAAAAAAAAAAAAAAAAAAAAAAAAAAAAAAAAAAFAAAADwAAAAAAAAAAAAAAAAAAAkUAAAAAQAAABQAAAAUAAAAFAAAAAEAAAAAAAAAZAAAAGQAAAAAAAAAZAAAAGQAAAAVAAAAYAAAAAAAAAAAAAAADwAAACADAAAAAAAAAAAAAAEAAACgMgAAVgcAAKr4//8BAAAAf39/AAEAAABkAAAAAAAAABQAAABAHwAAAAAAACYAAAAAAAAAwOD//wAAAAAmAAAAZAAAABYAAABMAAAAAAAAAAAAAAAEAAAAAAAAAAEAAACAgIAKAAAAACgAAAAoAAAAZAAAAGQAAAAAAAAAzMzMAAAAAABQAAAAUAAAAGQAAABkAAAAAAAAABcAAAAUAAAAAAAAANwIAAD/fwAA/38AAAAAAAAJAAAABAAAAPCptwMMAAAAEAAAAAAAAAAAAAAAAAAAAAAAAAAeAAAAaAAAAAAAAAAAAAAAAAAAAAAAAAAAAAAAECcAABAnAAAAAAAAAAAAAAAAAAAAAAAAAAAAAAAAAAAAAAAAAAAAABQAAAAAAAAAwMD/AAAAAABkAAAAMgAAAAAAAABkAAAAAAAAAH9/fwAKAAAAHwAAAFQAAAC74OMF////AQAAAAAAAAAAAAAAAAAAAAAAAAAAAAAAAAAAAAAAAAAAAAAAAn9/fwCAgIADzMzMAMDA/wB/f38AAAAAAAAAAAAAAAAAAAAAAAAAAAAhAAAAGAAAABQAAABqBAAA/SEAABY0AAA9JAAAECAAACYAAAAIAAAA//////////8="/>
+                <pr:smNativeData xmlns:pr="smNativeData" val="SMDATA_13_gcGAXRMAAAAlAAAAEgAAAE8BAAAAkAAAAEgAAACQAAAASAAAAAAAAAAAAAAAAAAAAAEAAABQAAAAAAAAAAAA4D8AAAAAAADgPwAAAAAAAOA/AAAAAAAA4D8AAAAAAADgPwAAAAAAAOA/AAAAAAAA4D8AAAAAAADgPwAAAAAAAOA/AAAAAAAA4D8CAAAAjAAAAAAAAAAAAAAAu+DjDP///wgAAAAAAAAAAAAAAAAAAAAAAAAAAAAAAAAAAAAAZAAAAAEAAABAAAAAAAAAAAAAAAAAAAAAAAAAAAAAAAAAAAAAAAAAAAAAAAAAAAAAAAAAAAAAAAAAAAAAAAAAAAAAAAAAAAAAAAAAAAAAAAAAAAAAAAAAAAAAAAAAAAAAFAAAADwAAAAAAAAAAAAAAAAAAAkUAAAAAQAAABQAAAAUAAAAFAAAAAEAAAAAAAAAZAAAAGQAAAAAAAAAZAAAAGQAAAAVAAAAYAAAAAAAAAAAAAAADwAAACADAAAAAAAAAAAAAAEAAACgMgAAVgcAAKr4//8BAAAAf39/AAEAAABkAAAAAAAAABQAAABAHwAAAAAAACYAAAAAAAAAwOD//wAAAAAmAAAAZAAAABYAAABMAAAAAAAAAAAAAAAEAAAAAAAAAAEAAACAgIAKAAAAACgAAAAoAAAAZAAAAGQAAAAAAAAAzMzMAAAAAABQAAAAUAAAAGQAAABkAAAAAAAAABcAAAAUAAAAAAAAANwIAAD/fwAA/38AAAAAAAAJAAAABAAAAPCptwMMAAAAEAAAAAAAAAAAAAAAAAAAAAAAAAAeAAAAaAAAAAAAAAAAAAAAAAAAAAAAAAAAAAAAECcAABAnAAAAAAAAAAAAAAAAAAAAAAAAAAAAAAAAAAAAAAAAAAAAABQAAAAAAAAAwMD/AAAAAABkAAAAMgAAAAAAAABkAAAAAAAAAH9/fwAKAAAAHwAAAFQAAAC74OMF////AQAAAAAAAAAAAAAAAAAAAAAAAAAAAAAAAAAAAAAAAAAAAAAAAn9/fwCAgIADzMzMAMDA/wB/f38AAAAAAAAAAAAAAAAAAAAAAAAAAAAhAAAAGAAAABQAAABqBAAA/SEAABY0AAA9JAAAECAAACYAAAAIAAAA//////////8="/>
               </a:ext>
             </a:extLst>
           </p:cNvSpPr>
@@ -17347,7 +17347,7 @@
           <p:cNvSpPr txBox="1">
             <a:extLst>
               <a:ext uri="smNativeData">
-                <pr:smNativeData xmlns:pr="smNativeData" val="SMDATA_13_IrKAXRMAAAAlAAAAEgAAAE8BAAAAkAAAAEgAAACQAAAASAAAAAAAAAAAAAAAAAAAAAEAAABQAAAAAAAAAAAA4D8AAAAAAADgPwAAAAAAAOA/AAAAAAAA4D8AAAAAAADgPwAAAAAAAOA/AAAAAAAA4D8AAAAAAADgPwAAAAAAAOA/AAAAAAAA4D8CAAAAjAAAAAAAAAAAAAAAu+DjDP///wgAAAAAAAAAAAAAAAAAAAAAAAAAAAAAAAAAAAAAZAAAAAEAAABAAAAAAAAAAAAAAAAAAAAAAAAAAAAAAAAAAAAAAAAAAAAAAAAAAAAAAAAAAAAAAAAAAAAAAAAAAAAAAAAAAAAAAAAAAAAAAAAAAAAAAAAAAAAAAAAAAAAAFAAAADwAAAAAAAAAAAAAAAAAAAkUAAAAAQAAABQAAAAUAAAAFAAAAAEAAAAAAAAAZAAAAGQAAAAAAAAAZAAAAGQAAAAVAAAAYAAAAAAAAAAAAAAADwAAACADAAAAAAAAAAAAAAEAAACgMgAAVgcAAKr4//8BAAAAf39/AAEAAABkAAAAAAAAABQAAABAHwAAAAAAACYAAAAAAAAAwOD//wAAAAAmAAAAZAAAABYAAABMAAAAAAAAAAAAAAAEAAAAAAAAAAEAAACAgIAKAAAAACgAAAAoAAAAZAAAAGQAAAAAAAAAzMzMAAAAAABQAAAAUAAAAGQAAABkAAAAAAAAABcAAAAUAAAAAAAAANwIAAD/fwAA/38AAAAAAAAJAAAABAAAAHlsZT4MAAAAEAAAAAAAAAAAAAAAAAAAAAAAAAAeAAAAaAAAAAAAAAAAAAAAAAAAAAAAAAAAAAAAECcAABAnAAAAAAAAAAAAAAAAAAAAAAAAAAAAAAAAAAAAAAAAAAAAABQAAAAAAAAAwMD/AAAAAABkAAAAMgAAAAAAAABkAAAAAAAAAH9/fwAKAAAAHwAAAFQAAAC74OMF////AQAAAAAAAAAAAAAAAAAAAAAAAAAAAAAAAAAAAAAAAAAAAAAAAn9/fwCAgIADzMzMAMDA/wB/f38AAAAAAAAAAAAAAAAAAAAAAAAAAAAhAAAAGAAAABQAAABqBAAAcSQAABY0AACxJgAAECAAACYAAAAIAAAA//////////8="/>
+                <pr:smNativeData xmlns:pr="smNativeData" val="SMDATA_13_gcGAXRMAAAAlAAAAEgAAAE8BAAAAkAAAAEgAAACQAAAASAAAAAAAAAAAAAAAAAAAAAEAAABQAAAAAAAAAAAA4D8AAAAAAADgPwAAAAAAAOA/AAAAAAAA4D8AAAAAAADgPwAAAAAAAOA/AAAAAAAA4D8AAAAAAADgPwAAAAAAAOA/AAAAAAAA4D8CAAAAjAAAAAAAAAAAAAAAu+DjDP///wgAAAAAAAAAAAAAAAAAAAAAAAAAAAAAAAAAAAAAZAAAAAEAAABAAAAAAAAAAAAAAAAAAAAAAAAAAAAAAAAAAAAAAAAAAAAAAAAAAAAAAAAAAAAAAAAAAAAAAAAAAAAAAAAAAAAAAAAAAAAAAAAAAAAAAAAAAAAAAAAAAAAAFAAAADwAAAAAAAAAAAAAAAAAAAkUAAAAAQAAABQAAAAUAAAAFAAAAAEAAAAAAAAAZAAAAGQAAAAAAAAAZAAAAGQAAAAVAAAAYAAAAAAAAAAAAAAADwAAACADAAAAAAAAAAAAAAEAAACgMgAAVgcAAKr4//8BAAAAf39/AAEAAABkAAAAAAAAABQAAABAHwAAAAAAACYAAAAAAAAAwOD//wAAAAAmAAAAZAAAABYAAABMAAAAAAAAAAAAAAAEAAAAAAAAAAEAAACAgIAKAAAAACgAAAAoAAAAZAAAAGQAAAAAAAAAzMzMAAAAAABQAAAAUAAAAGQAAABkAAAAAAAAABcAAAAUAAAAAAAAANwIAAD/fwAA/38AAAAAAAAJAAAABAAAAHlsZT4MAAAAEAAAAAAAAAAAAAAAAAAAAAAAAAAeAAAAaAAAAAAAAAAAAAAAAAAAAAAAAAAAAAAAECcAABAnAAAAAAAAAAAAAAAAAAAAAAAAAAAAAAAAAAAAAAAAAAAAABQAAAAAAAAAwMD/AAAAAABkAAAAMgAAAAAAAABkAAAAAAAAAH9/fwAKAAAAHwAAAFQAAAC74OMF////AQAAAAAAAAAAAAAAAAAAAAAAAAAAAAAAAAAAAAAAAAAAAAAAAn9/fwCAgIADzMzMAMDA/wB/f38AAAAAAAAAAAAAAAAAAAAAAAAAAAAhAAAAGAAAABQAAABqBAAAcSQAABY0AACxJgAAECAAACYAAAAIAAAA//////////8="/>
               </a:ext>
             </a:extLst>
           </p:cNvSpPr>
@@ -17394,7 +17394,7 @@
             <a:picLocks noChangeAspect="1"/>
             <a:extLst>
               <a:ext uri="smNativeData">
-                <pr:smNativeData xmlns:pr="smNativeData" val="SMDATA_15_IrKAXRMAAAAlAAAAEQAAAC8BAAAAkAAAAEgAAACQAAAASAAAAAAAAAAAAAAAAAAAAAEAAABQAAAAAAAAAAAA4D8AAAAAAADgPwAAAAAAAOA/AAAAAAAA4D8AAAAAAADgPwAAAAAAAOA/AAAAAAAA4D8AAAAAAADgPwAAAAAAAOA/AAAAAAAA4D8CAAAAjAAAAAAAAAAAAAAAu+DjDP///wgAAAAAAAAAAAAAAAAAAAAAAAAAAAAAAAAAAAAAZAAAAAEAAABAAAAAAAAAAAAAAAAAAAAAAAAAAAAAAAAAAAAAAAAAAAAAAAAAAAAAAAAAAAAAAAAAAAAAAAAAAAAAAAAAAAAAAAAAAAAAAAAAAAAAAAAAAAAAAAAAAAAAFAAAADwAAAAAAAAAAAAAAAAAAAkUAAAAAQAAABQAAAAUAAAAFAAAAAEAAAAAAAAAZAAAAGQAAAAAAAAAZAAAAGQAAAAVAAAAYAAAAAAAAAAAAAAADwAAACADAAAAAAAAAAAAAAEAAACgMgAAAAAAAAAAAAABAAAAf39/AAEAAABkAAAAAAAAABQAAABAHwAAAAAAACYAAAAAAAAAwOD//wAAAAAmAAAAZAAAABYAAABMAAAAAAAAAAAAAAAEAAAAAAAAAAEAAACAgIAKAAAAACgAAAAoAAAAZAAAAGQAAAAAAAAAzMzMAAAAAABQAAAAUAAAAGQAAABkAAAAAAAAAAcAAAA4AAAAAAAAAAAAAAAAAAAA////AAAAAAAAAAAAAAAAAAAAAAAAAAAAAAAAAAAAAABkAAAAZAAAAAAAAAAjAAAABAAAAGQAAAAXAAAAFAAAAAAAAAAAAAAA/38AAP9/AAAAAAAACQAAAAQAAAAAAAAADAAAABAAAAAAAAAAAAAAAAAAAAAAAAAAHgAAAGgAAAAAAAAAAAAAAAAAAAAAAAAAAAAAABAnAAAQJwAAAAAAAAAAAAAAAAAAAAAAAAAAAAAAAAAAAAAAAAAAAAAUAAAAAAAAAMDA/wAAAAAAZAAAADIAAAAAAAAAZAAAAAAAAAB/f38ACgAAAB8AAABUAAAAu+DjBf///wEAAAAAAAAAAAAAAAAAAAAAAAAAAAAAAAAAAAAAAAAAAAAAAAJ/f38AgICAA8zMzADAwP8Af39/AAAAAAAAAAAAAAAAAP///wAAAAAAIQAAABgAAAAUAAAANxEAACcKAADYJgAATxgAABAAAAAmAAAACAAAAP//////////"/>
+                <pr:smNativeData xmlns:pr="smNativeData" val="SMDATA_15_gcGAXRMAAAAlAAAAEQAAAC8BAAAAkAAAAEgAAACQAAAASAAAAAAAAAAAAAAAAAAAAAEAAABQAAAAAAAAAAAA4D8AAAAAAADgPwAAAAAAAOA/AAAAAAAA4D8AAAAAAADgPwAAAAAAAOA/AAAAAAAA4D8AAAAAAADgPwAAAAAAAOA/AAAAAAAA4D8CAAAAjAAAAAAAAAAAAAAAu+DjDP///wgAAAAAAAAAAAAAAAAAAAAAAAAAAAAAAAAAAAAAZAAAAAEAAABAAAAAAAAAAAAAAAAAAAAAAAAAAAAAAAAAAAAAAAAAAAAAAAAAAAAAAAAAAAAAAAAAAAAAAAAAAAAAAAAAAAAAAAAAAAAAAAAAAAAAAAAAAAAAAAAAAAAAFAAAADwAAAAAAAAAAAAAAAAAAAkUAAAAAQAAABQAAAAUAAAAFAAAAAEAAAAAAAAAZAAAAGQAAAAAAAAAZAAAAGQAAAAVAAAAYAAAAAAAAAAAAAAADwAAACADAAAAAAAAAAAAAAEAAACgMgAAAAAAAAAAAAABAAAAf39/AAEAAABkAAAAAAAAABQAAABAHwAAAAAAACYAAAAAAAAAwOD//wAAAAAmAAAAZAAAABYAAABMAAAAAAAAAAAAAAAEAAAAAAAAAAEAAACAgIAKAAAAACgAAAAoAAAAZAAAAGQAAAAAAAAAzMzMAAAAAABQAAAAUAAAAGQAAABkAAAAAAAAAAcAAAA4AAAAAAAAAAAAAAAAAAAA////AAAAAAAAAAAAAAAAAAAAAAAAAAAAAAAAAAAAAABkAAAAZAAAAAAAAAAjAAAABAAAAGQAAAAXAAAAFAAAAAAAAAAAAAAA/38AAP9/AAAAAAAACQAAAAQAAAAAAAAADAAAABAAAAAAAAAAAAAAAAAAAAAAAAAAHgAAAGgAAAAAAAAAAAAAAAAAAAAAAAAAAAAAABAnAAAQJwAAAAAAAAAAAAAAAAAAAAAAAAAAAAAAAAAAAAAAAAAAAAAUAAAAAAAAAMDA/wAAAAAAZAAAADIAAAAAAAAAZAAAAAAAAAB/f38ACgAAAB8AAABUAAAAu+DjBf///wEAAAAAAAAAAAAAAAAAAAAAAAAAAAAAAAAAAAAAAAAAAAAAAAJ/f38AgICAA8zMzADAwP8Af39/AAAAAAAAAAAAAAAAAP///wAAAAAAIQAAABgAAAAUAAAANxEAACcKAADYJgAATxgAABAAAAAmAAAACAAAAP//////////"/>
               </a:ext>
             </a:extLst>
           </p:cNvPicPr>
@@ -17427,7 +17427,7 @@
           <p:cNvSpPr txBox="1">
             <a:extLst>
               <a:ext uri="smNativeData">
-                <pr:smNativeData xmlns:pr="smNativeData" val="SMDATA_13_IrKAXRMAAAAlAAAAEgAAAE8BAAAAkAAAAEgAAACQAAAASAAAAAAAAAAAAAAAAAAAAAEAAABQAAAAAAAAAAAA4D8AAAAAAADgPwAAAAAAAOA/AAAAAAAA4D8AAAAAAADgPwAAAAAAAOA/AAAAAAAA4D8AAAAAAADgPwAAAAAAAOA/AAAAAAAA4D8CAAAAjAAAAAAAAAAAAAAAu+DjDP///wgAAAAAAAAAAAAAAAAAAAAAAAAAAAAAAAAAAAAAZAAAAAEAAABAAAAAAAAAAAAAAAAAAAAAAAAAAAAAAAAAAAAAAAAAAAAAAAAAAAAAAAAAAAAAAAAAAAAAAAAAAAAAAAAAAAAAAAAAAAAAAAAAAAAAAAAAAAAAAAAAAAAAFAAAADwAAAAAAAAAAAAAAAAAAAkUAAAAAQAAABQAAAAUAAAAFAAAAAEAAAAAAAAAZAAAAGQAAAAAAAAAZAAAAGQAAAAVAAAAYAAAAAAAAAAAAAAADwAAACADAAAAAAAAAAAAAAEAAACgMgAAVgcAAKr4//8BAAAAf39/AAEAAABkAAAAAAAAABQAAABAHwAAAAAAACYAAAAAAAAAwOD//wAAAAAmAAAAZAAAABYAAABMAAAAAAAAAAAAAAAEAAAAAAAAAAEAAACAgIAKAAAAACgAAAAoAAAAZAAAAGQAAAAAAAAAzMzMAAAAAABQAAAAUAAAAGQAAABkAAAAAAAAABcAAAAUAAAAAAAAANwIAAD/fwAA/38AAAAAAAAJAAAABAAAAAAAAAIMAAAAEAAAAAAAAAAAAAAAAAAAAAAAAAAeAAAAaAAAAAAAAAAAAAAAAAAAAAAAAAAAAAAAECcAABAnAAAAAAAAAAAAAAAAAAAAAAAAAAAAAAAAAAAAAAAAAAAAABQAAAAAAAAAwMD/AAAAAABkAAAAMgAAAAAAAABkAAAAAAAAAH9/fwAKAAAAHwAAAFQAAAC74OMF////AQAAAAAAAAAAAAAAAAAAAAAAAAAAAAAAAAAAAAAAAAAAAAAAAn9/fwCAgIADzMzMAMDA/wB/f38AAAAAAAAAAAAAAAAAAAAAAAAAAAAhAAAAGAAAABQAAABqBAAApiYAABY0AAA2KgAAECAAACYAAAAIAAAA//////////8="/>
+                <pr:smNativeData xmlns:pr="smNativeData" val="SMDATA_13_gcGAXRMAAAAlAAAAEgAAAE8BAAAAkAAAAEgAAACQAAAASAAAAAAAAAAAAAAAAAAAAAEAAABQAAAAAAAAAAAA4D8AAAAAAADgPwAAAAAAAOA/AAAAAAAA4D8AAAAAAADgPwAAAAAAAOA/AAAAAAAA4D8AAAAAAADgPwAAAAAAAOA/AAAAAAAA4D8CAAAAjAAAAAAAAAAAAAAAu+DjDP///wgAAAAAAAAAAAAAAAAAAAAAAAAAAAAAAAAAAAAAZAAAAAEAAABAAAAAAAAAAAAAAAAAAAAAAAAAAAAAAAAAAAAAAAAAAAAAAAAAAAAAAAAAAAAAAAAAAAAAAAAAAAAAAAAAAAAAAAAAAAAAAAAAAAAAAAAAAAAAAAAAAAAAFAAAADwAAAAAAAAAAAAAAAAAAAkUAAAAAQAAABQAAAAUAAAAFAAAAAEAAAAAAAAAZAAAAGQAAAAAAAAAZAAAAGQAAAAVAAAAYAAAAAAAAAAAAAAADwAAACADAAAAAAAAAAAAAAEAAACgMgAAVgcAAKr4//8BAAAAf39/AAEAAABkAAAAAAAAABQAAABAHwAAAAAAACYAAAAAAAAAwOD//wAAAAAmAAAAZAAAABYAAABMAAAAAAAAAAAAAAAEAAAAAAAAAAEAAACAgIAKAAAAACgAAAAoAAAAZAAAAGQAAAAAAAAAzMzMAAAAAABQAAAAUAAAAGQAAABkAAAAAAAAABcAAAAUAAAAAAAAANwIAAD/fwAA/38AAAAAAAAJAAAABAAAAAAAAAIMAAAAEAAAAAAAAAAAAAAAAAAAAAAAAAAeAAAAaAAAAAAAAAAAAAAAAAAAAAAAAAAAAAAAECcAABAnAAAAAAAAAAAAAAAAAAAAAAAAAAAAAAAAAAAAAAAAAAAAABQAAAAAAAAAwMD/AAAAAABkAAAAMgAAAAAAAABkAAAAAAAAAH9/fwAKAAAAHwAAAFQAAAC74OMF////AQAAAAAAAAAAAAAAAAAAAAAAAAAAAAAAAAAAAAAAAAAAAAAAAn9/fwCAgIADzMzMAMDA/wB/f38AAAAAAAAAAAAAAAAAAAAAAAAAAAAhAAAAGAAAABQAAABqBAAApiYAABY0AAA2KgAAACAAACYAAAAIAAAA//////////8="/>
               </a:ext>
             </a:extLst>
           </p:cNvSpPr>
@@ -17462,7 +17462,7 @@
               </a:defRPr>
             </a:pPr>
             <a:r>
-              <a:t>clone(CLONE_VM | CLONE_FS | CLONE_FILES | CLONE_SIGHAND | CLONE_THREAD, 0);</a:t>
+              <a:t>clone(..., CLONE_VM | CLONE_FS | CLONE_FILES | CLONE_SIGHAND | CLONE_THREAD, ...);</a:t>
             </a:r>
           </a:p>
         </p:txBody>
@@ -17473,7 +17473,7 @@
           <p:cNvSpPr txBox="1">
             <a:extLst>
               <a:ext uri="smNativeData">
-                <pr:smNativeData xmlns:pr="smNativeData" val="SMDATA_13_IrKAXRMAAAAlAAAAEgAAAE8BAAAAkAAAAEgAAACQAAAASAAAAAAAAAAAAAAAAAAAAAEAAABQAAAAAAAAAAAA4D8AAAAAAADgPwAAAAAAAOA/AAAAAAAA4D8AAAAAAADgPwAAAAAAAOA/AAAAAAAA4D8AAAAAAADgPwAAAAAAAOA/AAAAAAAA4D8CAAAAjAAAAAAAAAAAAAAAu+DjDP///wgAAAAAAAAAAAAAAAAAAAAAAAAAAAAAAAAAAAAAZAAAAAEAAABAAAAAAAAAAAAAAAAAAAAAAAAAAAAAAAAAAAAAAAAAAAAAAAAAAAAAAAAAAAAAAAAAAAAAAAAAAAAAAAAAAAAAAAAAAAAAAAAAAAAAAAAAAAAAAAAAAAAAFAAAADwAAAAAAAAAAAAAAAAAAAkUAAAAAQAAABQAAAAUAAAAFAAAAAEAAAAAAAAAZAAAAGQAAAAAAAAAZAAAAGQAAAAVAAAAYAAAAAAAAAAAAAAADwAAACADAAAAAAAAAAAAAAEAAACgMgAAVgcAAKr4//8BAAAAf39/AAEAAABkAAAAAAAAABQAAABAHwAAAAAAACYAAAAAAAAAwOD//wAAAAAmAAAAZAAAABYAAABMAAAAAAAAAAAAAAAEAAAAAAAAAAEAAACAgIAKAAAAACgAAAAoAAAAZAAAAGQAAAAAAAAAzMzMAAAAAABQAAAAUAAAAGQAAABkAAAAAAAAABcAAAAUAAAAAAAAANwIAAD/fwAA/38AAAAAAAAJAAAABAAAAAAAAAAMAAAAEAAAAAAAAAAAAAAAAAAAAAAAAAAeAAAAaAAAAAAAAAAAAAAAAAAAAAAAAAAAAAAAECcAABAnAAAAAAAAAAAAAAAAAAAAAAAAAAAAAAAAAAAAAAAAAAAAABQAAAAAAAAAwMD/AAAAAABkAAAAMgAAAAAAAABkAAAAAAAAAH9/fwAKAAAAHwAAAFQAAAC74OMF////AQAAAAAAAAAAAAAAAAAAAAAAAAAAAAAAAAAAAAAAAAAAAAAAAn9/fwCAgIADzMzMAMDA/wB/f38AAAAAAAAAAAAAAAAAAAAAAAAAAAAhAAAAGAAAABQAAABqBAAAOB4AABY0AABIIAAAECAAACYAAAAIAAAA//////////8="/>
+                <pr:smNativeData xmlns:pr="smNativeData" val="SMDATA_13_gcGAXRMAAAAlAAAAEgAAAE8BAAAAkAAAAEgAAACQAAAASAAAAAAAAAAAAAAAAAAAAAEAAABQAAAAAAAAAAAA4D8AAAAAAADgPwAAAAAAAOA/AAAAAAAA4D8AAAAAAADgPwAAAAAAAOA/AAAAAAAA4D8AAAAAAADgPwAAAAAAAOA/AAAAAAAA4D8CAAAAjAAAAAAAAAAAAAAAu+DjDP///wgAAAAAAAAAAAAAAAAAAAAAAAAAAAAAAAAAAAAAZAAAAAEAAABAAAAAAAAAAAAAAAAAAAAAAAAAAAAAAAAAAAAAAAAAAAAAAAAAAAAAAAAAAAAAAAAAAAAAAAAAAAAAAAAAAAAAAAAAAAAAAAAAAAAAAAAAAAAAAAAAAAAAFAAAADwAAAAAAAAAAAAAAAAAAAkUAAAAAQAAABQAAAAUAAAAFAAAAAEAAAAAAAAAZAAAAGQAAAAAAAAAZAAAAGQAAAAVAAAAYAAAAAAAAAAAAAAADwAAACADAAAAAAAAAAAAAAEAAACgMgAAVgcAAKr4//8BAAAAf39/AAEAAABkAAAAAAAAABQAAABAHwAAAAAAACYAAAAAAAAAwOD//wAAAAAmAAAAZAAAABYAAABMAAAAAAAAAAAAAAAEAAAAAAAAAAEAAACAgIAKAAAAACgAAAAoAAAAZAAAAGQAAAAAAAAAzMzMAAAAAABQAAAAUAAAAGQAAABkAAAAAAAAABcAAAAUAAAAAAAAANwIAAD/fwAA/38AAAAAAAAJAAAABAAAAAAAAAAMAAAAEAAAAAAAAAAAAAAAAAAAAAAAAAAeAAAAaAAAAAAAAAAAAAAAAAAAAAAAAAAAAAAAECcAABAnAAAAAAAAAAAAAAAAAAAAAAAAAAAAAAAAAAAAAAAAAAAAABQAAAAAAAAAwMD/AAAAAABkAAAAMgAAAAAAAABkAAAAAAAAAH9/fwAKAAAAHwAAAFQAAAC74OMF////AQAAAAAAAAAAAAAAAAAAAAAAAAAAAAAAAAAAAAAAAAAAAAAAAn9/fwCAgIADzMzMAMDA/wB/f38AAAAAAAAAAAAAAAAAAAAAAAAAAAAhAAAAGAAAABQAAABqBAAAOB4AABY0AABIIAAAACAAACYAAAAIAAAA//////////8="/>
               </a:ext>
             </a:extLst>
           </p:cNvSpPr>
@@ -17508,7 +17508,7 @@
               </a:defRPr>
             </a:pPr>
             <a:r>
-              <a:t>clone(SIGCHLD, 0);</a:t>
+              <a:t>clone(..., SIGCHLD, ...);</a:t>
             </a:r>
           </a:p>
         </p:txBody>
@@ -17519,7 +17519,7 @@
           <p:cNvSpPr txBox="1">
             <a:extLst>
               <a:ext uri="smNativeData">
-                <pr:smNativeData xmlns:pr="smNativeData" val="SMDATA_13_IrKAXRMAAAAlAAAAEgAAAE8BAAAAkAAAAEgAAACQAAAASAAAAAAAAAAAAAAAAAAAAAEAAABQAAAAAAAAAAAA4D8AAAAAAADgPwAAAAAAAOA/AAAAAAAA4D8AAAAAAADgPwAAAAAAAOA/AAAAAAAA4D8AAAAAAADgPwAAAAAAAOA/AAAAAAAA4D8CAAAAjAAAAAAAAAAAAAAAu+DjDP///wgAAAAAAAAAAAAAAAAAAAAAAAAAAAAAAAAAAAAAZAAAAAEAAABAAAAAAAAAAAAAAAAAAAAAAAAAAAAAAAAAAAAAAAAAAAAAAAAAAAAAAAAAAAAAAAAAAAAAAAAAAAAAAAAAAAAAAAAAAAAAAAAAAAAAAAAAAAAAAAAAAAAAFAAAADwAAAAAAAAAAAAAAAAAAAkUAAAAAQAAABQAAAAUAAAAFAAAAAEAAAAAAAAAZAAAAGQAAAAAAAAAZAAAAGQAAAAVAAAAYAAAAAAAAAAAAAAADwAAACADAAAAAAAAAAAAAAEAAACgMgAAVgcAAKr4//8BAAAAf39/AAEAAABkAAAAAAAAABQAAABAHwAAAAAAACYAAAAAAAAAwOD//wAAAAAmAAAAZAAAABYAAABMAAAAAAAAAAAAAAAEAAAAAAAAAAEAAACAgIAKAAAAACgAAAAoAAAAZAAAAGQAAAAAAAAAzMzMAAAAAABQAAAAUAAAAGQAAABkAAAAAAAAABcAAAAUAAAAAAAAANwIAAD/fwAA/38AAAAAAAAJAAAABAAAAAIA/f8MAAAAEAAAAAAAAAAAAAAAAAAAAAAAAAAeAAAAaAAAAAAAAAAAAAAAAAAAAAAAAAAAAAAAECcAABAnAAAAAAAAAAAAAAAAAAAAAAAAAAAAAAAAAAAAAAAAAAAAABQAAAAAAAAAwMD/AAAAAABkAAAAMgAAAAAAAABkAAAAAAAAAH9/fwAKAAAAHwAAAFQAAAC74OMF////AQAAAAAAAAAAAAAAAAAAAAAAAAAAAAAAAAAAAAAAAAAAAAAAAn9/fwCAgIADzMzMAMDA/wB/f38AAAAAAAAAAAAAAAAAAAAAAAAAAAAhAAAAGAAAABQAAABqBAAAARwAABY0AABBHgAAECAAACYAAAAIAAAA//////////8="/>
+                <pr:smNativeData xmlns:pr="smNativeData" val="SMDATA_13_gcGAXRMAAAAlAAAAEgAAAE8BAAAAkAAAAEgAAACQAAAASAAAAAAAAAAAAAAAAAAAAAEAAABQAAAAAAAAAAAA4D8AAAAAAADgPwAAAAAAAOA/AAAAAAAA4D8AAAAAAADgPwAAAAAAAOA/AAAAAAAA4D8AAAAAAADgPwAAAAAAAOA/AAAAAAAA4D8CAAAAjAAAAAAAAAAAAAAAu+DjDP///wgAAAAAAAAAAAAAAAAAAAAAAAAAAAAAAAAAAAAAZAAAAAEAAABAAAAAAAAAAAAAAAAAAAAAAAAAAAAAAAAAAAAAAAAAAAAAAAAAAAAAAAAAAAAAAAAAAAAAAAAAAAAAAAAAAAAAAAAAAAAAAAAAAAAAAAAAAAAAAAAAAAAAFAAAADwAAAAAAAAAAAAAAAAAAAkUAAAAAQAAABQAAAAUAAAAFAAAAAEAAAAAAAAAZAAAAGQAAAAAAAAAZAAAAGQAAAAVAAAAYAAAAAAAAAAAAAAADwAAACADAAAAAAAAAAAAAAEAAACgMgAAVgcAAKr4//8BAAAAf39/AAEAAABkAAAAAAAAABQAAABAHwAAAAAAACYAAAAAAAAAwOD//wAAAAAmAAAAZAAAABYAAABMAAAAAAAAAAAAAAAEAAAAAAAAAAEAAACAgIAKAAAAACgAAAAoAAAAZAAAAGQAAAAAAAAAzMzMAAAAAABQAAAAUAAAAGQAAABkAAAAAAAAABcAAAAUAAAAAAAAANwIAAD/fwAA/38AAAAAAAAJAAAABAAAAAIA/f8MAAAAEAAAAAAAAAAAAAAAAAAAAAAAAAAeAAAAaAAAAAAAAAAAAAAAAAAAAAAAAAAAAAAAECcAABAnAAAAAAAAAAAAAAAAAAAAAAAAAAAAAAAAAAAAAAAAAAAAABQAAAAAAAAAwMD/AAAAAABkAAAAMgAAAAAAAABkAAAAAAAAAH9/fwAKAAAAHwAAAFQAAAC74OMF////AQAAAAAAAAAAAAAAAAAAAAAAAAAAAAAAAAAAAAAAAAAAAAAAAn9/fwCAgIADzMzMAMDA/wB/f38AAAAAAAAAAAAAAAAAAAAAAAAAAAAhAAAAGAAAABQAAABqBAAAARwAABY0AABBHgAAECAAACYAAAAIAAAA//////////8="/>
               </a:ext>
             </a:extLst>
           </p:cNvSpPr>
@@ -17565,7 +17565,7 @@
           <p:cNvSpPr>
             <a:extLst>
               <a:ext uri="smNativeData">
-                <pr:smNativeData xmlns:pr="smNativeData" val="SMDATA_13_IrKAXRMAAAAlAAAAZAAAAA8BAAAAkAAAAEgAAACQAAAASAAAAAAAAAAAAAAAAAAAAAEAAABQAAAAAAAAAAAA4D8AAAAAAADgPwAAAAAAAOA/AAAAAAAA4D8AAAAAAADgPwAAAAAAAOA/AAAAAAAA4D8AAAAAAADgPwAAAAAAAOA/AAAAAAAA4D8CAAAAjAAAAAEAAAAAAAAAHh4eAP///wgAAAAAAAAAAAAAAAAAAAAAAAAAAAAAAAAAAAAAZAAAAAEAAABAAAAAAAAAAAAAAAAAAAAAAAAAAAAAAAAAAAAAAAAAAAAAAAAAAAAAAAAAAAAAAAAAAAAAAAAAAAAAAAAAAAAAAAAAAAAAAAAAAAAAAAAAAAAAAAAAAAAAFAAAADwAAAAAAAAAAAAAAAAAAAkAAAAAAQAAAAAAAAAAAAAAAAAAAAAAAAAAAAAAZAAAAGQAAAAAAAAAZAAAAGQAAAAVAAAAYAAAAAAAAAAAAAAADwAAACADAAAAAAAAAAAAAAEAAACgMgAAAAAAAAAAAAABAAAAf39/AAEAAABkAAAAAAAAABQAAABAHwAAAAAAACYAAAAAAAAAwOD//wAAAAAmAAAAZAAAABYAAABMAAAAAAAAAAAAAAAEAAAAAAAAAAEAAACAgIAKAAAAACgAAAAoAAAAZAAAAGQAAAAAAAAAzMzMAAAAAABQAAAAUAAAAGQAAABkAAAAAAAAABcAAAAUAAAAAAAAAAAAAAD/fwAA/38AAAAAAAAJAAAABAAAAGxyIHYMAAAAEAAAAAAAAAAAAAAAAAAAAAAAAAAeAAAAaAAAAAAAAAAAAAAAAAAAAAAAAAAAAAAAECcAABAnAAAAAAAAAAAAAAAAAAAAAAAAAAAAAAAAAAAAAAAAAAAAABQAAAAAAAAAwMD/AAAAAABkAAAAMgAAAAAAAABkAAAAAAAAAH9/fwAKAAAAHwAAAFQAAAAeHh4A////AQAAAAAAAAAAAAAAAAAAAAAAAAAAAAAAAAAAAAAAAAAAAAAAAn9/fwCAgIADzMzMAMDA/wB/f38AAAAAAAAAAAAAAAAAAAAAAAAAAAAhAAAAGAAAABQAAAAAAAAAZQcAAEA4AAC4CAAAEAAAACYAAAAIAAAA//////////8="/>
+                <pr:smNativeData xmlns:pr="smNativeData" val="SMDATA_13_gcGAXRMAAAAlAAAAZAAAAA8BAAAAkAAAAEgAAACQAAAASAAAAAAAAAAAAAAAAAAAAAEAAABQAAAAAAAAAAAA4D8AAAAAAADgPwAAAAAAAOA/AAAAAAAA4D8AAAAAAADgPwAAAAAAAOA/AAAAAAAA4D8AAAAAAADgPwAAAAAAAOA/AAAAAAAA4D8CAAAAjAAAAAEAAAAAAAAAHh4eAP///wgAAAAAAAAAAAAAAAAAAAAAAAAAAAAAAAAAAAAAZAAAAAEAAABAAAAAAAAAAAAAAAAAAAAAAAAAAAAAAAAAAAAAAAAAAAAAAAAAAAAAAAAAAAAAAAAAAAAAAAAAAAAAAAAAAAAAAAAAAAAAAAAAAAAAAAAAAAAAAAAAAAAAFAAAADwAAAAAAAAAAAAAAAAAAAkAAAAAAQAAAAAAAAAAAAAAAAAAAAAAAAAAAAAAZAAAAGQAAAAAAAAAZAAAAGQAAAAVAAAAYAAAAAAAAAAAAAAADwAAACADAAAAAAAAAAAAAAEAAACgMgAAAAAAAAAAAAABAAAAf39/AAEAAABkAAAAAAAAABQAAABAHwAAAAAAACYAAAAAAAAAwOD//wAAAAAmAAAAZAAAABYAAABMAAAAAAAAAAAAAAAEAAAAAAAAAAEAAACAgIAKAAAAACgAAAAoAAAAZAAAAGQAAAAAAAAAzMzMAAAAAABQAAAAUAAAAGQAAABkAAAAAAAAABcAAAAUAAAAAAAAAAAAAAD/fwAA/38AAAAAAAAJAAAABAAAAGxyIHYMAAAAEAAAAAAAAAAAAAAAAAAAAAAAAAAeAAAAaAAAAAAAAAAAAAAAAAAAAAAAAAAAAAAAECcAABAnAAAAAAAAAAAAAAAAAAAAAAAAAAAAAAAAAAAAAAAAAAAAABQAAAAAAAAAwMD/AAAAAABkAAAAMgAAAAAAAABkAAAAAAAAAH9/fwAKAAAAHwAAAFQAAAAeHh4A////AQAAAAAAAAAAAAAAAAAAAAAAAAAAAAAAAAAAAAAAAAAAAAAAAn9/fwCAgIADzMzMAMDA/wB/f38AAAAAAAAAAAAAAAAAAAAAAAAAAAAhAAAAGAAAABQAAAAAAAAAZQcAAEA4AAC4CAAAEAAAACYAAAAIAAAA//////////8="/>
               </a:ext>
             </a:extLst>
           </p:cNvSpPr>
@@ -17634,7 +17634,7 @@
           <p:cNvSpPr>
             <a:extLst>
               <a:ext uri="smNativeData">
-                <pr:smNativeData xmlns:pr="smNativeData" val="SMDATA_13_IrKAXRMAAAAlAAAAZAAAAA8BAAAAkAAAAEgAAACQAAAASAAAAAAAAAABAAAAAAAAAAEAAABQAAAAAAAAAAAA4D8AAAAAAADgPwAAAAAAAOA/AAAAAAAA4D8AAAAAAADgPwAAAAAAAOA/AAAAAAAA4D8AAAAAAADgPwAAAAAAAOA/AAAAAAAA4D8CAAAAjAAAAAAAAAAAAAAAu+DjDP///wgAAAAAAAAAAAAAAAAAAAAAAAAAAAAAAAAAAAAAZAAAAAEAAABAAAAAAAAAAAAAAAAAAAAAAAAAAAAAAAAAAAAAAAAAAAAAAAAAAAAAAAAAAAAAAAAAAAAAAAAAAAAAAAAAAAAAAAAAAAAAAAAAAAAAAAAAAAAAAAAAAAAAFAAAADwAAAAAAAAAAAAAAAAAAAkUAAAAAQAAABQAAAAUAAAAFAAAAAEAAAAAAAAAZAAAAGQAAAAAAAAAZAAAAGQAAAAVAAAAYAAAAAAAAAAAAAAADwAAACADAAAAAAAAAAAAAAEAAACgMgAAVgcAAKr4//8BAAAAf39/AAEAAABkAAAAAAAAABQAAABAHwAAAAAAACYAAAAAAAAAwOD//wAAAAAmAAAAZAAAABYAAABMAAAAAAAAAAAAAAAEAAAAAAAAAAEAAACAgIAKAAAAACgAAAAoAAAAZAAAAGQAAAAAAAAAzMzMAAAAAABQAAAAUAAAAGQAAABkAAAAAAAAABcAAAAUAAAAAAAAAAAAAAD/fwAA/38AAAAAAAAJAAAABAAAAAEAAAAMAAAAEAAAAAAAAAAAAAAAAAAAAAAAAAAeAAAAaAAAAAAAAAAAAAAAAAAAAAAAAAAAAAAAECcAABAnAAAAAAAAAAAAAAAAAAAAAAAAAAAAAAAAAAAAAAAAAAAAABQAAAAAAAAAwMD/AAAAAABkAAAAMgAAAAAAAABkAAAAAAAAAH9/fwAKAAAAHwAAAFQAAAC74OMF////AQAAAAAAAAAAAAAAAAAAAAAAAAAAAAAAAAAAAAAAAAAAAAAAAn9/fwCAgIADzMzMAMDA/wB/f38AAAAAAAAAAAAAAAAAAAAAAAAAAAAhAAAAGAAAABQAAABqBAAAiAMAABY0AAAoBwAAEAAAACYAAAAIAAAA//////////8="/>
+                <pr:smNativeData xmlns:pr="smNativeData" val="SMDATA_13_gcGAXRMAAAAlAAAAZAAAAA8BAAAAkAAAAEgAAACQAAAASAAAAAAAAAABAAAAAAAAAAEAAABQAAAAAAAAAAAA4D8AAAAAAADgPwAAAAAAAOA/AAAAAAAA4D8AAAAAAADgPwAAAAAAAOA/AAAAAAAA4D8AAAAAAADgPwAAAAAAAOA/AAAAAAAA4D8CAAAAjAAAAAAAAAAAAAAAu+DjDP///wgAAAAAAAAAAAAAAAAAAAAAAAAAAAAAAAAAAAAAZAAAAAEAAABAAAAAAAAAAAAAAAAAAAAAAAAAAAAAAAAAAAAAAAAAAAAAAAAAAAAAAAAAAAAAAAAAAAAAAAAAAAAAAAAAAAAAAAAAAAAAAAAAAAAAAAAAAAAAAAAAAAAAFAAAADwAAAAAAAAAAAAAAAAAAAkUAAAAAQAAABQAAAAUAAAAFAAAAAEAAAAAAAAAZAAAAGQAAAAAAAAAZAAAAGQAAAAVAAAAYAAAAAAAAAAAAAAADwAAACADAAAAAAAAAAAAAAEAAACgMgAAVgcAAKr4//8BAAAAf39/AAEAAABkAAAAAAAAABQAAABAHwAAAAAAACYAAAAAAAAAwOD//wAAAAAmAAAAZAAAABYAAABMAAAAAAAAAAAAAAAEAAAAAAAAAAEAAACAgIAKAAAAACgAAAAoAAAAZAAAAGQAAAAAAAAAzMzMAAAAAABQAAAAUAAAAGQAAABkAAAAAAAAABcAAAAUAAAAAAAAAAAAAAD/fwAA/38AAAAAAAAJAAAABAAAAAEAAAAMAAAAEAAAAAAAAAAAAAAAAAAAAAAAAAAeAAAAaAAAAAAAAAAAAAAAAAAAAAAAAAAAAAAAECcAABAnAAAAAAAAAAAAAAAAAAAAAAAAAAAAAAAAAAAAAAAAAAAAABQAAAAAAAAAwMD/AAAAAABkAAAAMgAAAAAAAABkAAAAAAAAAH9/fwAKAAAAHwAAAFQAAAC74OMF////AQAAAAAAAAAAAAAAAAAAAAAAAAAAAAAAAAAAAAAAAAAAAAAAAn9/fwCAgIADzMzMAMDA/wB/f38AAAAAAAAAAAAAAAAAAAAAAAAAAAAhAAAAGAAAABQAAABqBAAAiAMAABY0AAAoBwAAEAAAACYAAAAIAAAA//////////8="/>
               </a:ext>
             </a:extLst>
           </p:cNvSpPr>
@@ -17680,7 +17680,7 @@
           <p:cNvSpPr txBox="1">
             <a:extLst>
               <a:ext uri="smNativeData">
-                <pr:smNativeData xmlns:pr="smNativeData" val="SMDATA_13_IrKAXRMAAAAlAAAAEgAAAA8BAAAAkAAAAEgAAACQAAAASAAAAAAAAAAAAAAAAAAAAAEAAABQAAAAAAAAAAAA4D8AAAAAAADgPwAAAAAAAOA/AAAAAAAA4D8AAAAAAADgPwAAAAAAAOA/AAAAAAAA4D8AAAAAAADgPwAAAAAAAOA/AAAAAAAA4D8CAAAAjAAAAAAAAAAAAAAAu+DjDP///wgAAAAAAAAAAAAAAAAAAAAAAAAAAAAAAAAAAAAAZAAAAAEAAABAAAAAAAAAAAAAAAAAAAAAAAAAAAAAAAAAAAAAAAAAAAAAAAAAAAAAAAAAAAAAAAAAAAAAAAAAAAAAAAAAAAAAAAAAAAAAAAAAAAAAAAAAAAAAAAAAAAAAFAAAADwAAAAAAAAAAAAAAAAAAAkUAAAAAQAAABQAAAAUAAAAFAAAAAEAAAAAAAAAZAAAAGQAAAAAAAAAZAAAAGQAAAAVAAAAYAAAAAAAAAAAAAAADwAAACADAAAAAAAAAAAAAAEAAACgMgAAVgcAAKr4//8BAAAAf39/AAEAAABkAAAAAAAAABQAAABAHwAAAAAAACYAAAAAAAAAwOD//wAAAAAmAAAAZAAAABYAAABMAAAAAAAAAAAAAAAEAAAAAAAAAAEAAACAgIAKAAAAACgAAAAoAAAAZAAAAGQAAAAAAAAAzMzMAAAAAABQAAAAUAAAAGQAAABkAAAAAAAAABcAAAAUAAAAAAAAANwIAAD/fwAA/38AAAAAAAAJAAAABAAAAAEAAAAMAAAAEAAAAAAAAAAAAAAAAAAAAAAAAAAeAAAAaAAAAAAAAAAAAAAAAAAAAAAAAAAAAAAAECcAABAnAAAAAAAAAAAAAAAAAAAAAAAAAAAAAAAAAAAAAAAAAAAAABQAAAAAAAAAwMD/AAAAAABkAAAAMgAAAAAAAABkAAAAAAAAAH9/fwAKAAAAHwAAAFQAAAC74OMF////AQAAAAAAAAAAAAAAAAAAAAAAAAAAAAAAAAAAAAAAAAAAAAAAAn9/fwCAgIADzMzMAMDA/wB/f38AAAAAAAAAAAAAAAAAAAAAAAAAAAAhAAAAGAAAABQAAABqBAAA4QgAABY0AAACDwAAEAAAACYAAAAIAAAA//////////8="/>
+                <pr:smNativeData xmlns:pr="smNativeData" val="SMDATA_13_gcGAXRMAAAAlAAAAEgAAAA8BAAAAkAAAAEgAAACQAAAASAAAAAAAAAAAAAAAAAAAAAEAAABQAAAAAAAAAAAA4D8AAAAAAADgPwAAAAAAAOA/AAAAAAAA4D8AAAAAAADgPwAAAAAAAOA/AAAAAAAA4D8AAAAAAADgPwAAAAAAAOA/AAAAAAAA4D8CAAAAjAAAAAAAAAAAAAAAu+DjDP///wgAAAAAAAAAAAAAAAAAAAAAAAAAAAAAAAAAAAAAZAAAAAEAAABAAAAAAAAAAAAAAAAAAAAAAAAAAAAAAAAAAAAAAAAAAAAAAAAAAAAAAAAAAAAAAAAAAAAAAAAAAAAAAAAAAAAAAAAAAAAAAAAAAAAAAAAAAAAAAAAAAAAAFAAAADwAAAAAAAAAAAAAAAAAAAkUAAAAAQAAABQAAAAUAAAAFAAAAAEAAAAAAAAAZAAAAGQAAAAAAAAAZAAAAGQAAAAVAAAAYAAAAAAAAAAAAAAADwAAACADAAAAAAAAAAAAAAEAAACgMgAAVgcAAKr4//8BAAAAf39/AAEAAABkAAAAAAAAABQAAABAHwAAAAAAACYAAAAAAAAAwOD//wAAAAAmAAAAZAAAABYAAABMAAAAAAAAAAAAAAAEAAAAAAAAAAEAAACAgIAKAAAAACgAAAAoAAAAZAAAAGQAAAAAAAAAzMzMAAAAAABQAAAAUAAAAGQAAABkAAAAAAAAABcAAAAUAAAAAAAAANwIAAD/fwAA/38AAAAAAAAJAAAABAAAAAEAAAAMAAAAEAAAAAAAAAAAAAAAAAAAAAAAAAAeAAAAaAAAAAAAAAAAAAAAAAAAAAAAAAAAAAAAECcAABAnAAAAAAAAAAAAAAAAAAAAAAAAAAAAAAAAAAAAAAAAAAAAABQAAAAAAAAAwMD/AAAAAABkAAAAMgAAAAAAAABkAAAAAAAAAH9/fwAKAAAAHwAAAFQAAAC74OMF////AQAAAAAAAAAAAAAAAAAAAAAAAAAAAAAAAAAAAAAAAAAAAAAAAn9/fwCAgIADzMzMAMDA/wB/f38AAAAAAAAAAAAAAAAAAAAAAAAAAAAhAAAAGAAAABQAAABqBAAA4QgAABY0AAACDwAAEAAAACYAAAAIAAAA//////////8="/>
               </a:ext>
             </a:extLst>
           </p:cNvSpPr>
@@ -17854,7 +17854,7 @@
                 </a:tc>
                 <a:extLst>
                   <a:ext uri="smNativeData">
-                    <pr:rowheight xmlns="" xmlns:pr="smNativeData" dt="1568715298" type="min" val="1421765"/>
+                    <pr:rowheight xmlns="" xmlns:pr="smNativeData" dt="1568719233" type="min" val="1421765"/>
                   </a:ext>
                 </a:extLst>
               </a:tr>
@@ -17920,7 +17920,7 @@
                 </a:tc>
                 <a:extLst>
                   <a:ext uri="smNativeData">
-                    <pr:rowheight xmlns="" xmlns:pr="smNativeData" dt="1568715298" type="min" val="1542415"/>
+                    <pr:rowheight xmlns="" xmlns:pr="smNativeData" dt="1568719233" type="min" val="1542415"/>
                   </a:ext>
                 </a:extLst>
               </a:tr>
@@ -17992,7 +17992,7 @@
                 </a:tc>
                 <a:extLst>
                   <a:ext uri="smNativeData">
-                    <pr:rowheight xmlns="" xmlns:pr="smNativeData" dt="1568715298" type="min" val="443865"/>
+                    <pr:rowheight xmlns="" xmlns:pr="smNativeData" dt="1568719233" type="min" val="443865"/>
                   </a:ext>
                 </a:extLst>
               </a:tr>
@@ -18054,7 +18054,7 @@
                 </a:tc>
                 <a:extLst>
                   <a:ext uri="smNativeData">
-                    <pr:rowheight xmlns="" xmlns:pr="smNativeData" dt="1568715298" type="min" val="142875"/>
+                    <pr:rowheight xmlns="" xmlns:pr="smNativeData" dt="1568719233" type="min" val="142875"/>
                   </a:ext>
                 </a:extLst>
               </a:tr>
@@ -18115,7 +18115,7 @@
                 </a:tc>
                 <a:extLst>
                   <a:ext uri="smNativeData">
-                    <pr:rowheight xmlns="" xmlns:pr="smNativeData" dt="1568715298" type="min" val="383540"/>
+                    <pr:rowheight xmlns="" xmlns:pr="smNativeData" dt="1568719233" type="min" val="383540"/>
                   </a:ext>
                 </a:extLst>
               </a:tr>
@@ -18129,7 +18129,7 @@
           <p:cNvSpPr>
             <a:extLst>
               <a:ext uri="smNativeData">
-                <pr:smNativeData xmlns:pr="smNativeData" val="SMDATA_13_IrKAXRMAAAAlAAAAywAAAA8BAAAAkAAAAEgAAACQAAAASAAAAAAAAAAAAAAAAAAAAAEAAABQAAAAGHAUIV061T/trHZWO6vdPwAAAAAAAOA/AAAAAAAA4D8AAAAAAADgPwAAAAAAAOA/AAAAAAAA4D8AAAAAAADgPwAAAAAAAOA/AAAAAAAA4D8CAAAAjAAAAAEAAAAAAAAASdZJAP///wgAAAAAAAAAAAAAAAAAAAAAAAAAAAAAAAAAAAAAZAAAAAEAAABAAAAAAAAAAAAAAAAAAAAAAAAAAAAAAAAAAAAAAAAAAAAAAAAAAAAAAAAAAAAAAAAAAAAAAAAAAAAAAAAAAAAAAAAAAAAAAAAAAAAAAAAAAAAAAAAAAAAAFAAAADwAAAABAAAAAAAAAB4eHgA8AAAAAQAAAAMAAAAAAAAAAAAAAAAAAAAAAAAAZAAAAGQAAAAAAAAAZAAAAGQAAAAVAAAAYAAAAAAAAAAAAAAADwAAACADAAAAAAAAAAAAAAEAAACgMgAAAAAAAAAAAAABAAAAf39/AAEAAABkAAAAAAAAABQAAABAHwAAAAAAACYAAAAAAAAAwOD//wAAAAAmAAAAZAAAABYAAABMAAAAAAAAAAAAAAAEAAAAAAAAAAEAAACAgIAKAAAAACgAAAAoAAAAZAAAAGQAAAAAAAAAzMzMAAAAAABQAAAAUAAAAGQAAABkAAAAAAAAABcAAAAUAAAAAAAAAAAAAAD/fwAA/38AAAAAAAAJAAAABAAAAAAAAAAMAAAAEAAAAAAAAAAAAAAAAAAAAAAAAAAeAAAAaAAAAAAAAAAAAAAAAAAAAAAAAAAAAAAAECcAABAnAAAAAAAAAAAAAAAAAAAAAAAAAAAAAAAAAAAAAAAAAAAAABQAAAAAAAAAwMD/AAAAAABkAAAAMgAAAAAAAABkAAAAAAAAAH9/fwAKAAAAHwAAAFQAAABJ1kkA////AQAAAAAAAAAAAAAAAAAAAAAAAAAAAAAAAAAAAAAAAAAAHh4eAH9/fwCAgIADzMzMAMDA/wB/f38AAAAAAAAAAAAAAAAAAAAAAAAAAAAhAAAAGAAAABQAAABVEAAAoxkAAN0TAAC6HAAAEAAAACYAAAAIAAAA//////////8="/>
+                <pr:smNativeData xmlns:pr="smNativeData" val="SMDATA_13_gcGAXRMAAAAlAAAAywAAAA8BAAAAkAAAAEgAAACQAAAASAAAAAAAAAAAAAAAAAAAAAEAAABQAAAAGHAUIV061T/trHZWO6vdPwAAAAAAAOA/AAAAAAAA4D8AAAAAAADgPwAAAAAAAOA/AAAAAAAA4D8AAAAAAADgPwAAAAAAAOA/AAAAAAAA4D8CAAAAjAAAAAEAAAAAAAAASdZJAP///wgAAAAAAAAAAAAAAAAAAAAAAAAAAAAAAAAAAAAAZAAAAAEAAABAAAAAAAAAAAAAAAAAAAAAAAAAAAAAAAAAAAAAAAAAAAAAAAAAAAAAAAAAAAAAAAAAAAAAAAAAAAAAAAAAAAAAAAAAAAAAAAAAAAAAAAAAAAAAAAAAAAAAFAAAADwAAAABAAAAAAAAAB4eHgA8AAAAAQAAAAMAAAAAAAAAAAAAAAAAAAAAAAAAZAAAAGQAAAAAAAAAZAAAAGQAAAAVAAAAYAAAAAAAAAAAAAAADwAAACADAAAAAAAAAAAAAAEAAACgMgAAAAAAAAAAAAABAAAAf39/AAEAAABkAAAAAAAAABQAAABAHwAAAAAAACYAAAAAAAAAwOD//wAAAAAmAAAAZAAAABYAAABMAAAAAAAAAAAAAAAEAAAAAAAAAAEAAACAgIAKAAAAACgAAAAoAAAAZAAAAGQAAAAAAAAAzMzMAAAAAABQAAAAUAAAAGQAAABkAAAAAAAAABcAAAAUAAAAAAAAAAAAAAD/fwAA/38AAAAAAAAJAAAABAAAAAAAAAAMAAAAEAAAAAAAAAAAAAAAAAAAAAAAAAAeAAAAaAAAAAAAAAAAAAAAAAAAAAAAAAAAAAAAECcAABAnAAAAAAAAAAAAAAAAAAAAAAAAAAAAAAAAAAAAAAAAAAAAABQAAAAAAAAAwMD/AAAAAABkAAAAMgAAAAAAAABkAAAAAAAAAH9/fwAKAAAAHwAAAFQAAABJ1kkA////AQAAAAAAAAAAAAAAAAAAAAAAAAAAAAAAAAAAAAAAAAAAHh4eAH9/fwCAgIADzMzMAMDA/wB/f38AAAAAAAAAAAAAAAAAAAAAAAAAAAAhAAAAGAAAABQAAABVEAAAoxkAAN0TAAC6HAAAEAAAACYAAAAIAAAA//////////8="/>
               </a:ext>
             </a:extLst>
           </p:cNvSpPr>
@@ -18166,7 +18166,7 @@
           <p:cNvSpPr>
             <a:extLst>
               <a:ext uri="smNativeData">
-                <pr:smNativeData xmlns:pr="smNativeData" val="SMDATA_13_IrKAXRMAAAAlAAAACgAAAA8BAAAAkAAAAEgAAACQAAAASAAAAAAAAAAAAAAAAAAAAAEAAABQAAAAAAAAAAAA4D8AAAAAAADgPwAAAAAAAOA/AAAAAAAA4D8AAAAAAADgPwAAAAAAAOA/AAAAAAAA4D8AAAAAAADgPwAAAAAAAOA/AAAAAAAA4D8CAAAAjAAAAAAAAAAAAAAAu+DjDP///wgAAAAAAAAAAAAAAAAAAAAAAAAAAAAAAAAAAAAAZAAAAAEAAABAAAAAAAAAAAAAAAAAAAAAAAAAAAAAAAAAAAAAAAAAAAAAAAAAAAAAAAAAAAAAAAAAAAAAAAAAAAAAAAAAAAAAAAAAAAAAAAAAAAAAAAAAAAAAAAAAAAAAFAAAADwAAAABAAAAAAAAAB4eHgBQAAAAAQAAAAQAAAAAAAAAAAAAAAAAAAAAAAAAZAAAAGQAAAACAAAAZAAAAGQAAAAVAAAAYAAAAAAAAAAAAAAADwAAACADAAAAAAAAAAAAAAEAAACgMgAAAAAAAAAAAAABAAAAf39/AAEAAABkAAAAAAAAABQAAABAHwAAAAAAACYAAAAAAAAAwOD//wAAAAAmAAAAZAAAABYAAABMAAAAAAAAAAAAAAAEAAAAAAAAAAEAAACAgIAKAAAAACgAAAAoAAAAZAAAAGQAAAAAAAAAzMzMAAAAAABQAAAAUAAAAGQAAABkAAAAAAAAABcAAAAUAAAAAAAAAAAAAAD/fwAA/38AAAAAAAAJAAAABAAAAON4AAAMAAAAEAAAAAAAAAAAAAAAAAAAAAAAAAAeAAAAaAAAAAAAAAAAAAAAAAAAAAAAAAAAAAAAECcAABAnAAAAAAAAAAAAAAAAAAAAAAAAAAAAAAAAAAAAAAAAAAAAABQAAAAAAAAAwMD/AAAAAABkAAAAMgAAAAAAAABkAAAAAAAAAH9/fwAKAAAAHwAAAFQAAAC74OMF////AQAAAAAAAAAAAAAAAAAAAAAAAAAAAAAAAAAAAAAAAAAAHh4eAH9/fwCAgIADzMzMAMDA/wB/f38AAAAAAAAAAAAAAAAAAAAAAAAAAAAhAAAAGAAAABQAAAAgHAAAjSUAADIkAACPJQAAEAAAACYAAAAIAAAA//////////8="/>
+                <pr:smNativeData xmlns:pr="smNativeData" val="SMDATA_13_gcGAXRMAAAAlAAAACgAAAA8BAAAAkAAAAEgAAACQAAAASAAAAAAAAAAAAAAAAAAAAAEAAABQAAAAAAAAAAAA4D8AAAAAAADgPwAAAAAAAOA/AAAAAAAA4D8AAAAAAADgPwAAAAAAAOA/AAAAAAAA4D8AAAAAAADgPwAAAAAAAOA/AAAAAAAA4D8CAAAAjAAAAAAAAAAAAAAAu+DjDP///wgAAAAAAAAAAAAAAAAAAAAAAAAAAAAAAAAAAAAAZAAAAAEAAABAAAAAAAAAAAAAAAAAAAAAAAAAAAAAAAAAAAAAAAAAAAAAAAAAAAAAAAAAAAAAAAAAAAAAAAAAAAAAAAAAAAAAAAAAAAAAAAAAAAAAAAAAAAAAAAAAAAAAFAAAADwAAAABAAAAAAAAAB4eHgBQAAAAAQAAAAQAAAAAAAAAAAAAAAAAAAAAAAAAZAAAAGQAAAACAAAAZAAAAGQAAAAVAAAAYAAAAAAAAAAAAAAADwAAACADAAAAAAAAAAAAAAEAAACgMgAAAAAAAAAAAAABAAAAf39/AAEAAABkAAAAAAAAABQAAABAHwAAAAAAACYAAAAAAAAAwOD//wAAAAAmAAAAZAAAABYAAABMAAAAAAAAAAAAAAAEAAAAAAAAAAEAAACAgIAKAAAAACgAAAAoAAAAZAAAAGQAAAAAAAAAzMzMAAAAAABQAAAAUAAAAGQAAABkAAAAAAAAABcAAAAUAAAAAAAAAAAAAAD/fwAA/38AAAAAAAAJAAAABAAAAON4AAAMAAAAEAAAAAAAAAAAAAAAAAAAAAAAAAAeAAAAaAAAAAAAAAAAAAAAAAAAAAAAAAAAAAAAECcAABAnAAAAAAAAAAAAAAAAAAAAAAAAAAAAAAAAAAAAAAAAAAAAABQAAAAAAAAAwMD/AAAAAABkAAAAMgAAAAAAAABkAAAAAAAAAH9/fwAKAAAAHwAAAFQAAAC74OMF////AQAAAAAAAAAAAAAAAAAAAAAAAAAAAAAAAAAAAAAAAAAAHh4eAH9/fwCAgIADzMzMAMDA/wB/f38AAAAAAAAAAAAAAAAAAAAAAAAAAAAhAAAAGAAAABQAAAAgHAAAjSUAADIkAACPJQAAEAAAACYAAAAIAAAA//////////8="/>
               </a:ext>
             </a:extLst>
           </p:cNvSpPr>
@@ -18198,7 +18198,7 @@
           <p:cNvSpPr>
             <a:extLst>
               <a:ext uri="smNativeData">
-                <pr:smNativeData xmlns:pr="smNativeData" val="SMDATA_13_IrKAXRMAAAAlAAAAZAAAAA8BAAAAkAAAAEgAAACQAAAASAAAAAAAAAAAAAAAAAAAAAEAAABQAAAAAAAAAAAA4D8AAAAAAADgPwAAAAAAAOA/AAAAAAAA4D8AAAAAAADgPwAAAAAAAOA/AAAAAAAA4D8AAAAAAADgPwAAAAAAAOA/AAAAAAAA4D8CAAAAjAAAAAEAAAAAAAAA/7oXAP///wgAAAAAAAAAAAAAAAAAAAAAAAAAAAAAAAAAAAAAZAAAAAEAAABAAAAAAAAAAAAAAAAAAAAAAAAAAAAAAAAAAAAAAAAAAAAAAAAAAAAAAAAAAAAAAAAAAAAAAAAAAAAAAAAAAAAAAAAAAAAAAAAAAAAAAAAAAAAAAAAAAAAAFAAAADwAAAABAAAAAAAAAB4eHgA8AAAAAQAAAAMAAAAAAAAAAAAAAAAAAAAAAAAAZAAAAGQAAAAAAAAAZAAAAGQAAAAVAAAAYAAAAAAAAAAAAAAADwAAACADAAAAAAAAAAAAAAEAAACgMgAAAAAAAAAAAAABAAAAf39/AAEAAABkAAAAAAAAABQAAABAHwAAAAAAACYAAAAAAAAAwOD//wAAAAAmAAAAZAAAABYAAABMAAAAAAAAAAAAAAAEAAAAAAAAAAEAAACAgIAKAAAAACgAAAAoAAAAZAAAAGQAAAAAAAAAzMzMAAAAAABQAAAAUAAAAGQAAABkAAAAAAAAABcAAAAUAAAAAAAAAAAAAAD/fwAA/38AAAAAAAAJAAAABAAAAGDhLQ0MAAAAEAAAAAAAAAAAAAAAAAAAAAAAAAAeAAAAaAAAAAAAAAAAAAAAAAAAAAAAAAAAAAAAECcAABAnAAAAAAAAAAAAAAAAAAAAAAAAAAAAAAAAAAAAAAAAAAAAABQAAAAAAAAAwMD/AAAAAABkAAAAMgAAAAAAAABkAAAAAAAAAH9/fwAKAAAAHwAAAFQAAAD/uhcA////AQAAAAAAAAAAAAAAAAAAAAAAAAAAAAAAAAAAAAAAAAAAHh4eAH9/fwCAgIADzMzMAMDA/wB/f38AAAAAAAAAAAAAAAAAAAAAAAAAAAAhAAAAGAAAABQAAAAMJQAAIyQAADQzAAAcKAAAEAAAACYAAAAIAAAA//////////8="/>
+                <pr:smNativeData xmlns:pr="smNativeData" val="SMDATA_13_gcGAXRMAAAAlAAAAZAAAAA8BAAAAkAAAAEgAAACQAAAASAAAAAAAAAAAAAAAAAAAAAEAAABQAAAAAAAAAAAA4D8AAAAAAADgPwAAAAAAAOA/AAAAAAAA4D8AAAAAAADgPwAAAAAAAOA/AAAAAAAA4D8AAAAAAADgPwAAAAAAAOA/AAAAAAAA4D8CAAAAjAAAAAEAAAAAAAAA/7oXAP///wgAAAAAAAAAAAAAAAAAAAAAAAAAAAAAAAAAAAAAZAAAAAEAAABAAAAAAAAAAAAAAAAAAAAAAAAAAAAAAAAAAAAAAAAAAAAAAAAAAAAAAAAAAAAAAAAAAAAAAAAAAAAAAAAAAAAAAAAAAAAAAAAAAAAAAAAAAAAAAAAAAAAAFAAAADwAAAABAAAAAAAAAB4eHgA8AAAAAQAAAAMAAAAAAAAAAAAAAAAAAAAAAAAAZAAAAGQAAAAAAAAAZAAAAGQAAAAVAAAAYAAAAAAAAAAAAAAADwAAACADAAAAAAAAAAAAAAEAAACgMgAAAAAAAAAAAAABAAAAf39/AAEAAABkAAAAAAAAABQAAABAHwAAAAAAACYAAAAAAAAAwOD//wAAAAAmAAAAZAAAABYAAABMAAAAAAAAAAAAAAAEAAAAAAAAAAEAAACAgIAKAAAAACgAAAAoAAAAZAAAAGQAAAAAAAAAzMzMAAAAAABQAAAAUAAAAGQAAABkAAAAAAAAABcAAAAUAAAAAAAAAAAAAAD/fwAA/38AAAAAAAAJAAAABAAAAGDhLQ0MAAAAEAAAAAAAAAAAAAAAAAAAAAAAAAAeAAAAaAAAAAAAAAAAAAAAAAAAAAAAAAAAAAAAECcAABAnAAAAAAAAAAAAAAAAAAAAAAAAAAAAAAAAAAAAAAAAAAAAABQAAAAAAAAAwMD/AAAAAABkAAAAMgAAAAAAAABkAAAAAAAAAH9/fwAKAAAAHwAAAFQAAAD/uhcA////AQAAAAAAAAAAAAAAAAAAAAAAAAAAAAAAAAAAAAAAAAAAHh4eAH9/fwCAgIADzMzMAMDA/wB/f38AAAAAAAAAAAAAAAAAAAAAAAAAAAAhAAAAGAAAABQAAAAMJQAAIyQAADQzAAAcKAAAEAAAACYAAAAIAAAA//////////8="/>
               </a:ext>
             </a:extLst>
           </p:cNvSpPr>
@@ -18232,7 +18232,7 @@
           <p:cNvSpPr txBox="1">
             <a:extLst>
               <a:ext uri="smNativeData">
-                <pr:smNativeData xmlns:pr="smNativeData" val="SMDATA_13_IrKAXRMAAAAlAAAAEgAAAE8BAAAAkAAAAEgAAACQAAAASAAAAAAAAAAAAAAAAAAAAAEAAABQAAAAAAAAAAAA4D8AAAAAAADgPwAAAAAAAOA/AAAAAAAA4D8AAAAAAADgPwAAAAAAAOA/AAAAAAAA4D8AAAAAAADgPwAAAAAAAOA/AAAAAAAA4D8CAAAAjAAAAAAAAAAAAAAAu+DjDP///wgAAAAAAAAAAAAAAAAAAAAAAAAAAAAAAAAAAAAAZAAAAAEAAABAAAAAAAAAAAAAAAAAAAAAAAAAAAAAAAAAAAAAAAAAAAAAAAAAAAAAAAAAAAAAAAAAAAAAAAAAAAAAAAAAAAAAAAAAAAAAAAAAAAAAAAAAAAAAAAAAAAAAFAAAADwAAAAAAAAAAAAAAAAAAAkUAAAAAQAAABQAAAAUAAAAFAAAAAEAAAAAAAAAZAAAAGQAAAAAAAAAZAAAAGQAAAAVAAAAYAAAAAAAAAAAAAAADwAAACADAAAAAAAAAAAAAAEAAACgMgAAVgcAAKr4//8BAAAAf39/AAEAAABkAAAAAAAAABQAAABAHwAAAAAAACYAAAAAAAAAwOD//wAAAAAmAAAAZAAAABYAAABMAAAAAAAAAAAAAAAEAAAAAAAAAAEAAACAgIAKAAAAACgAAAAoAAAAZAAAAGQAAAAAAAAAzMzMAAAAAABQAAAAUAAAAGQAAABkAAAAAAAAABcAAAAUAAAAAAAAANwIAAD/fwAA/38AAAAAAAAJAAAABAAAAAAAAAAMAAAAEAAAAAAAAAAAAAAAAAAAAAAAAAAeAAAAaAAAAAAAAAAAAAAAAAAAAAAAAAAAAAAAECcAABAnAAAAAAAAAAAAAAAAAAAAAAAAAAAAAAAAAAAAAAAAAAAAABQAAAAAAAAAwMD/AAAAAABkAAAAMgAAAAAAAABkAAAAAAAAAH9/fwAKAAAAHwAAAFQAAAC74OMF////AQAAAAAAAAAAAAAAAAAAAAAAAAAAAAAAAAAAAAAAAAAAAAAAAn9/fwCAgIADzMzMAMDA/wB/f38AAAAAAAAAAAAAAAAAAAAAAAAAAAAhAAAAGAAAABQAAADcJQAAHSUAAKkyAACNJwAAECAAACYAAAAIAAAA//////////8="/>
+                <pr:smNativeData xmlns:pr="smNativeData" val="SMDATA_13_gcGAXRMAAAAlAAAAEgAAAE8BAAAAkAAAAEgAAACQAAAASAAAAAAAAAAAAAAAAAAAAAEAAABQAAAAAAAAAAAA4D8AAAAAAADgPwAAAAAAAOA/AAAAAAAA4D8AAAAAAADgPwAAAAAAAOA/AAAAAAAA4D8AAAAAAADgPwAAAAAAAOA/AAAAAAAA4D8CAAAAjAAAAAAAAAAAAAAAu+DjDP///wgAAAAAAAAAAAAAAAAAAAAAAAAAAAAAAAAAAAAAZAAAAAEAAABAAAAAAAAAAAAAAAAAAAAAAAAAAAAAAAAAAAAAAAAAAAAAAAAAAAAAAAAAAAAAAAAAAAAAAAAAAAAAAAAAAAAAAAAAAAAAAAAAAAAAAAAAAAAAAAAAAAAAFAAAADwAAAAAAAAAAAAAAAAAAAkUAAAAAQAAABQAAAAUAAAAFAAAAAEAAAAAAAAAZAAAAGQAAAAAAAAAZAAAAGQAAAAVAAAAYAAAAAAAAAAAAAAADwAAACADAAAAAAAAAAAAAAEAAACgMgAAVgcAAKr4//8BAAAAf39/AAEAAABkAAAAAAAAABQAAABAHwAAAAAAACYAAAAAAAAAwOD//wAAAAAmAAAAZAAAABYAAABMAAAAAAAAAAAAAAAEAAAAAAAAAAEAAACAgIAKAAAAACgAAAAoAAAAZAAAAGQAAAAAAAAAzMzMAAAAAABQAAAAUAAAAGQAAABkAAAAAAAAABcAAAAUAAAAAAAAANwIAAD/fwAA/38AAAAAAAAJAAAABAAAAAAAAAAMAAAAEAAAAAAAAAAAAAAAAAAAAAAAAAAeAAAAaAAAAAAAAAAAAAAAAAAAAAAAAAAAAAAAECcAABAnAAAAAAAAAAAAAAAAAAAAAAAAAAAAAAAAAAAAAAAAAAAAABQAAAAAAAAAwMD/AAAAAABkAAAAMgAAAAAAAABkAAAAAAAAAH9/fwAKAAAAHwAAAFQAAAC74OMF////AQAAAAAAAAAAAAAAAAAAAAAAAAAAAAAAAAAAAAAAAAAAAAAAAn9/fwCAgIADzMzMAMDA/wB/f38AAAAAAAAAAAAAAAAAAAAAAAAAAAAhAAAAGAAAABQAAADcJQAAHSUAAKkyAACNJwAAECAAACYAAAAIAAAA//////////8="/>
               </a:ext>
             </a:extLst>
           </p:cNvSpPr>
@@ -18280,7 +18280,7 @@
           <p:cNvSpPr txBox="1">
             <a:extLst>
               <a:ext uri="smNativeData">
-                <pr:smNativeData xmlns:pr="smNativeData" val="SMDATA_13_IrKAXRMAAAAlAAAAEgAAAE8BAAAAkAAAAEgAAACQAAAASAAAAAAAAAAAAAAAAAAAAAEAAABQAAAAAAAAAAAA4D8AAAAAAADgPwAAAAAAAOA/AAAAAAAA4D8AAAAAAADgPwAAAAAAAOA/AAAAAAAA4D8AAAAAAADgPwAAAAAAAOA/AAAAAAAA4D8CAAAAjAAAAAAAAAAAAAAAu+DjDP///wgAAAAAAAAAAAAAAAAAAAAAAAAAAAAAAAAAAAAAZAAAAAEAAABAAAAAAAAAAAAAAAAAAAAAAAAAAAAAAAAAAAAAAAAAAAAAAAAAAAAAAAAAAAAAAAAAAAAAAAAAAAAAAAAAAAAAAAAAAAAAAAAAAAAAAAAAAAAAAAAAAAAAFAAAADwAAAAAAAAAAAAAAAAAAAkUAAAAAQAAABQAAAAUAAAAFAAAAAEAAAAAAAAAZAAAAGQAAAAAAAAAZAAAAGQAAAAVAAAAYAAAAAAAAAAAAAAADwAAACADAAAAAAAAAAAAAAEAAACgMgAAVgcAAKr4//8BAAAAf39/AAEAAABkAAAAAAAAABQAAABAHwAAAAAAACYAAAAAAAAAwOD//wAAAAAmAAAAZAAAABYAAABMAAAAAAAAAAAAAAAEAAAAAAAAAAEAAACAgIAKAAAAACgAAAAoAAAAZAAAAGQAAAAAAAAAzMzMAAAAAABQAAAAUAAAAGQAAABkAAAAAAAAABcAAAAUAAAAAAAAANwIAAD/fwAA/38AAAAAAAAJAAAABAAAAAAAAAAMAAAAEAAAAAAAAAAAAAAAAAAAAAAAAAAeAAAAaAAAAAAAAAAAAAAAAAAAAAAAAAAAAAAAECcAABAnAAAAAAAAAAAAAAAAAAAAAAAAAAAAAAAAAAAAAAAAAAAAABQAAAAAAAAAwMD/AAAAAABkAAAAMgAAAAAAAABkAAAAAAAAAH9/fwAKAAAAHwAAAFQAAAC74OMF////AQAAAAAAAAAAAAAAAAAAAAAAAAAAAAAAAAAAAAAAAAAAAAAAAn9/fwCAgIADzMzMAMDA/wB/f38AAAAAAAAAAAAAAAAAAAAAAAAAAAAhAAAAGAAAABQAAAANKQAAFBoAAEMvAACEHAAAECAAACYAAAAIAAAA//////////8="/>
+                <pr:smNativeData xmlns:pr="smNativeData" val="SMDATA_13_gcGAXRMAAAAlAAAAEgAAAE8BAAAAkAAAAEgAAACQAAAASAAAAAAAAAAAAAAAAAAAAAEAAABQAAAAAAAAAAAA4D8AAAAAAADgPwAAAAAAAOA/AAAAAAAA4D8AAAAAAADgPwAAAAAAAOA/AAAAAAAA4D8AAAAAAADgPwAAAAAAAOA/AAAAAAAA4D8CAAAAjAAAAAAAAAAAAAAAu+DjDP///wgAAAAAAAAAAAAAAAAAAAAAAAAAAAAAAAAAAAAAZAAAAAEAAABAAAAAAAAAAAAAAAAAAAAAAAAAAAAAAAAAAAAAAAAAAAAAAAAAAAAAAAAAAAAAAAAAAAAAAAAAAAAAAAAAAAAAAAAAAAAAAAAAAAAAAAAAAAAAAAAAAAAAFAAAADwAAAAAAAAAAAAAAAAAAAkUAAAAAQAAABQAAAAUAAAAFAAAAAEAAAAAAAAAZAAAAGQAAAAAAAAAZAAAAGQAAAAVAAAAYAAAAAAAAAAAAAAADwAAACADAAAAAAAAAAAAAAEAAACgMgAAVgcAAKr4//8BAAAAf39/AAEAAABkAAAAAAAAABQAAABAHwAAAAAAACYAAAAAAAAAwOD//wAAAAAmAAAAZAAAABYAAABMAAAAAAAAAAAAAAAEAAAAAAAAAAEAAACAgIAKAAAAACgAAAAoAAAAZAAAAGQAAAAAAAAAzMzMAAAAAABQAAAAUAAAAGQAAABkAAAAAAAAABcAAAAUAAAAAAAAANwIAAD/fwAA/38AAAAAAAAJAAAABAAAAAAAAAAMAAAAEAAAAAAAAAAAAAAAAAAAAAAAAAAeAAAAaAAAAAAAAAAAAAAAAAAAAAAAAAAAAAAAECcAABAnAAAAAAAAAAAAAAAAAAAAAAAAAAAAAAAAAAAAAAAAAAAAABQAAAAAAAAAwMD/AAAAAABkAAAAMgAAAAAAAABkAAAAAAAAAH9/fwAKAAAAHwAAAFQAAAC74OMF////AQAAAAAAAAAAAAAAAAAAAAAAAAAAAAAAAAAAAAAAAAAAAAAAAn9/fwCAgIADzMzMAMDA/wB/f38AAAAAAAAAAAAAAAAAAAAAAAAAAAAhAAAAGAAAABQAAAANKQAAFBoAAEMvAACEHAAAECAAACYAAAAIAAAA//////////8="/>
               </a:ext>
             </a:extLst>
           </p:cNvSpPr>
@@ -18328,7 +18328,7 @@
           <p:cNvSpPr>
             <a:extLst>
               <a:ext uri="smNativeData">
-                <pr:smNativeData xmlns:pr="smNativeData" val="SMDATA_13_IrKAXRMAAAAlAAAACgAAAA8BAAAAkAAAAEgAAACQAAAASAAAAAAAAAAAAAAAAAAAAAEAAABQAAAAAAAAAAAA4D8AAAAAAADgPwAAAAAAAOA/AAAAAAAA4D8AAAAAAADgPwAAAAAAAOA/AAAAAAAA4D8AAAAAAADgPwAAAAAAAOA/AAAAAAAA4D8CAAAAjAAAAAAAAAAAAAAAu+DjDP///wgAAAAAAAAAAAAAAAAAAAAAAAAAAAAAAAAAAAAAZAAAAAEAAABAAAAAAAAAAAAAAAAAAAAAAAAAAAAAAAAAAAAAAAAAAAAAAAAAAAAAAAAAAAAAAAAAAAAAAAAAAAAAAAAAAAAAAAAAAAAAAAAAAAAAAAAAAAAAAAAAAAAAFAAAADwAAAABAAAAAAAAAB4eHgBQAAAAAQAAAAQAAAAAAAAAAAAAAAAAAAAAAAAAZAAAAGQAAAACAAAAZAAAAGQAAAAVAAAAYAAAAAAAAAAAAAAADwAAACADAAAAAAAAAAAAAAEAAACgMgAAAAAAAAAAAAABAAAAf39/AAEAAABkAAAAAAAAABQAAABAHwAAAAAAACYAAAAAAAAAwOD//wAAAAAmAAAAZAAAABYAAABMAAAAAAAAAAAAAAAEAAAAAAAAAAEAAACAgIAKAAAAACgAAAAoAAAAZAAAAGQAAAAAAAAAzMzMAAAAAABQAAAAUAAAAGQAAABkAAAAAAAAABcAAAAUAAAAAAAAAAAAAAD/fwAA/38AAAAAAAAJAAAABAAAAAAAAAAMAAAAEAAAAAAAAAAAAAAAAAAAAAAAAAAeAAAAaAAAAAAAAAAAAAAAAAAAAAAAAAAAAAAAECcAABAnAAAAAAAAAAAAAAAAAAAAAAAAAAAAAAAAAAAAAAAAAAAAABQAAAAAAAAAwMD/AAAAAABkAAAAMgAAAAAAAABkAAAAAAAAAH9/fwAKAAAAHwAAAFQAAAC74OMF////AQAAAAAAAAAAAAAAAAAAAAAAAAAAAAAAAAAAAAAAAAAAHh4eAH9/fwCAgIADzMzMAMDA/wB/f38AAAAAAAAAAAAAAAAAAAAAAAAAAAAhAAAAGAAAABQAAAArLAAAKx0AAC0sAADKIwAAEAAAACYAAAAIAAAA//////////8="/>
+                <pr:smNativeData xmlns:pr="smNativeData" val="SMDATA_13_gcGAXRMAAAAlAAAACgAAAA8BAAAAkAAAAEgAAACQAAAASAAAAAAAAAAAAAAAAAAAAAEAAABQAAAAAAAAAAAA4D8AAAAAAADgPwAAAAAAAOA/AAAAAAAA4D8AAAAAAADgPwAAAAAAAOA/AAAAAAAA4D8AAAAAAADgPwAAAAAAAOA/AAAAAAAA4D8CAAAAjAAAAAAAAAAAAAAAu+DjDP///wgAAAAAAAAAAAAAAAAAAAAAAAAAAAAAAAAAAAAAZAAAAAEAAABAAAAAAAAAAAAAAAAAAAAAAAAAAAAAAAAAAAAAAAAAAAAAAAAAAAAAAAAAAAAAAAAAAAAAAAAAAAAAAAAAAAAAAAAAAAAAAAAAAAAAAAAAAAAAAAAAAAAAFAAAADwAAAABAAAAAAAAAB4eHgBQAAAAAQAAAAQAAAAAAAAAAAAAAAAAAAAAAAAAZAAAAGQAAAACAAAAZAAAAGQAAAAVAAAAYAAAAAAAAAAAAAAADwAAACADAAAAAAAAAAAAAAEAAACgMgAAAAAAAAAAAAABAAAAf39/AAEAAABkAAAAAAAAABQAAABAHwAAAAAAACYAAAAAAAAAwOD//wAAAAAmAAAAZAAAABYAAABMAAAAAAAAAAAAAAAEAAAAAAAAAAEAAACAgIAKAAAAACgAAAAoAAAAZAAAAGQAAAAAAAAAzMzMAAAAAABQAAAAUAAAAGQAAABkAAAAAAAAABcAAAAUAAAAAAAAAAAAAAD/fwAA/38AAAAAAAAJAAAABAAAAAAAAAAMAAAAEAAAAAAAAAAAAAAAAAAAAAAAAAAeAAAAaAAAAAAAAAAAAAAAAAAAAAAAAAAAAAAAECcAABAnAAAAAAAAAAAAAAAAAAAAAAAAAAAAAAAAAAAAAAAAAAAAABQAAAAAAAAAwMD/AAAAAABkAAAAMgAAAAAAAABkAAAAAAAAAH9/fwAKAAAAHwAAAFQAAAC74OMF////AQAAAAAAAAAAAAAAAAAAAAAAAAAAAAAAAAAAAAAAAAAAHh4eAH9/fwCAgIADzMzMAMDA/wB/f38AAAAAAAAAAAAAAAAAAAAAAAAAAAAhAAAAGAAAABQAAAArLAAAKx0AAC0sAADKIwAAEAAAACYAAAAIAAAA//////////8="/>
               </a:ext>
             </a:extLst>
           </p:cNvSpPr>
@@ -18360,7 +18360,7 @@
           <p:cNvSpPr txBox="1">
             <a:extLst>
               <a:ext uri="smNativeData">
-                <pr:smNativeData xmlns:pr="smNativeData" val="SMDATA_13_IrKAXRMAAAAlAAAAEgAAAE8BAAAAkAAAAEgAAACQAAAASAAAAAAAAAAAAAAAAAAAAAEAAABQAAAAAAAAAAAA4D8AAAAAAADgPwAAAAAAAOA/AAAAAAAA4D8AAAAAAADgPwAAAAAAAOA/AAAAAAAA4D8AAAAAAADgPwAAAAAAAOA/AAAAAAAA4D8CAAAAjAAAAAAAAAAAAAAAu+DjDP///wgAAAAAAAAAAAAAAAAAAAAAAAAAAAAAAAAAAAAAZAAAAAEAAABAAAAAAAAAAAAAAAAAAAAAAAAAAAAAAAAAAAAAAAAAAAAAAAAAAAAAAAAAAAAAAAAAAAAAAAAAAAAAAAAAAAAAAAAAAAAAAAAAAAAAAAAAAAAAAAAAAAAAFAAAADwAAAAAAAAAAAAAAAAAAAkUAAAAAQAAABQAAAAUAAAAFAAAAAEAAAAAAAAAZAAAAGQAAAAAAAAAZAAAAGQAAAAVAAAAYAAAAAAAAAAAAAAADwAAACADAAAAAAAAAAAAAAEAAACgMgAAVgcAAKr4//8BAAAAf39/AAEAAABkAAAAAAAAABQAAABAHwAAAAAAACYAAAAAAAAAwOD//wAAAAAmAAAAZAAAABYAAABMAAAAAAAAAAAAAAAEAAAAAAAAAAEAAACAgIAKAAAAACgAAAAoAAAAZAAAAGQAAAAAAAAAzMzMAAAAAABQAAAAUAAAAGQAAABkAAAAAAAAABcAAAAUAAAAAAAAANwIAAD/fwAA/38AAAAAAAAJAAAABAAAAAAAAAAMAAAAEAAAAAAAAAAAAAAAAAAAAAAAAAAeAAAAaAAAAAAAAAAAAAAAAAAAAAAAAAAAAAAAECcAABAnAAAAAAAAAAAAAAAAAAAAAAAAAAAAAAAAAAAAAAAAAAAAABQAAAAAAAAAwMD/AAAAAABkAAAAMgAAAAAAAABkAAAAAAAAAH9/fwAKAAAAHwAAAFQAAAC74OMF////AQAAAAAAAAAAAAAAAAAAAAAAAAAAAAAAAAAAAAAAAAAAAAAAAn9/fwCAgIADzMzMAMDA/wB/f38AAAAAAAAAAAAAAAAAAAAAAAAAAAAhAAAAGAAAABQAAAA4HAAATiMAADkgAACOJQAAECAAACYAAAAIAAAA//////////8="/>
+                <pr:smNativeData xmlns:pr="smNativeData" val="SMDATA_13_gcGAXRMAAAAlAAAAEgAAAE8BAAAAkAAAAEgAAACQAAAASAAAAAAAAAAAAAAAAAAAAAEAAABQAAAAAAAAAAAA4D8AAAAAAADgPwAAAAAAAOA/AAAAAAAA4D8AAAAAAADgPwAAAAAAAOA/AAAAAAAA4D8AAAAAAADgPwAAAAAAAOA/AAAAAAAA4D8CAAAAjAAAAAAAAAAAAAAAu+DjDP///wgAAAAAAAAAAAAAAAAAAAAAAAAAAAAAAAAAAAAAZAAAAAEAAABAAAAAAAAAAAAAAAAAAAAAAAAAAAAAAAAAAAAAAAAAAAAAAAAAAAAAAAAAAAAAAAAAAAAAAAAAAAAAAAAAAAAAAAAAAAAAAAAAAAAAAAAAAAAAAAAAAAAAFAAAADwAAAAAAAAAAAAAAAAAAAkUAAAAAQAAABQAAAAUAAAAFAAAAAEAAAAAAAAAZAAAAGQAAAAAAAAAZAAAAGQAAAAVAAAAYAAAAAAAAAAAAAAADwAAACADAAAAAAAAAAAAAAEAAACgMgAAVgcAAKr4//8BAAAAf39/AAEAAABkAAAAAAAAABQAAABAHwAAAAAAACYAAAAAAAAAwOD//wAAAAAmAAAAZAAAABYAAABMAAAAAAAAAAAAAAAEAAAAAAAAAAEAAACAgIAKAAAAACgAAAAoAAAAZAAAAGQAAAAAAAAAzMzMAAAAAABQAAAAUAAAAGQAAABkAAAAAAAAABcAAAAUAAAAAAAAANwIAAD/fwAA/38AAAAAAAAJAAAABAAAAAAAAAAMAAAAEAAAAAAAAAAAAAAAAAAAAAAAAAAeAAAAaAAAAAAAAAAAAAAAAAAAAAAAAAAAAAAAECcAABAnAAAAAAAAAAAAAAAAAAAAAAAAAAAAAAAAAAAAAAAAAAAAABQAAAAAAAAAwMD/AAAAAABkAAAAMgAAAAAAAABkAAAAAAAAAH9/fwAKAAAAHwAAAFQAAAC74OMF////AQAAAAAAAAAAAAAAAAAAAAAAAAAAAAAAAAAAAAAAAAAAAAAAAn9/fwCAgIADzMzMAMDA/wB/f38AAAAAAAAAAAAAAAAAAAAAAAAAAAAhAAAAGAAAABQAAAA4HAAATiMAADkgAACOJQAAECAAACYAAAAIAAAA//////////8="/>
               </a:ext>
             </a:extLst>
           </p:cNvSpPr>
@@ -18406,7 +18406,7 @@
           <p:cNvSpPr>
             <a:extLst>
               <a:ext uri="smNativeData">
-                <pr:smNativeData xmlns:pr="smNativeData" val="SMDATA_13_IrKAXRMAAAAlAAAAZAAAAA8BAAAAkAAAAEgAAACQAAAASAAAAAAAAAAAAAAAAAAAAAEAAABQAAAAAAAAAAAA4D8AAAAAAADgPwAAAAAAAOA/AAAAAAAA4D8AAAAAAADgPwAAAAAAAOA/AAAAAAAA4D8AAAAAAADgPwAAAAAAAOA/AAAAAAAA4D8CAAAAjAAAAAEAAAAAAAAAHh4eAP///wgAAAAAAAAAAAAAAAAAAAAAAAAAAAAAAAAAAAAAZAAAAAEAAABAAAAAAAAAAAAAAAAAAAAAAAAAAAAAAAAAAAAAAAAAAAAAAAAAAAAAAAAAAAAAAAAAAAAAAAAAAAAAAAAAAAAAAAAAAAAAAAAAAAAAAAAAAAAAAAAAAAAAFAAAADwAAAAAAAAAAAAAAAAAAAkAAAAAAQAAAAAAAAAAAAAAAAAAAAAAAAAAAAAAZAAAAGQAAAAAAAAAZAAAAGQAAAAVAAAAYAAAAAAAAAAAAAAADwAAACADAAAAAAAAAAAAAAEAAACgMgAAAAAAAAAAAAABAAAAf39/AAEAAABkAAAAAAAAABQAAABAHwAAAAAAACYAAAAAAAAAwOD//wAAAAAmAAAAZAAAABYAAABMAAAAAAAAAAAAAAAEAAAAAAAAAAEAAACAgIAKAAAAACgAAAAoAAAAZAAAAGQAAAAAAAAAzMzMAAAAAABQAAAAUAAAAGQAAABkAAAAAAAAABcAAAAUAAAAAAAAAAAAAAD/fwAA/38AAAAAAAAJAAAABAAAAGNOdlMMAAAAEAAAAAAAAAAAAAAAAAAAAAAAAAAeAAAAaAAAAAAAAAAAAAAAAAAAAAAAAAAAAAAAECcAABAnAAAAAAAAAAAAAAAAAAAAAAAAAAAAAAAAAAAAAAAAAAAAABQAAAAAAAAAwMD/AAAAAABkAAAAMgAAAAAAAABkAAAAAAAAAH9/fwAKAAAAHwAAAFQAAAAeHh4A////AQAAAAAAAAAAAAAAAAAAAAAAAAAAAAAAAAAAAAAAAAAAAAAAAn9/fwCAgIADzMzMAMDA/wB/f38AAAAAAAAAAAAAAAAAAAAAAAAAAAAhAAAAGAAAABQAAAAAAAAAZQcAAEA4AAC4CAAAEAAAACYAAAAIAAAA//////////8="/>
+                <pr:smNativeData xmlns:pr="smNativeData" val="SMDATA_13_gcGAXRMAAAAlAAAAZAAAAA8BAAAAkAAAAEgAAACQAAAASAAAAAAAAAAAAAAAAAAAAAEAAABQAAAAAAAAAAAA4D8AAAAAAADgPwAAAAAAAOA/AAAAAAAA4D8AAAAAAADgPwAAAAAAAOA/AAAAAAAA4D8AAAAAAADgPwAAAAAAAOA/AAAAAAAA4D8CAAAAjAAAAAEAAAAAAAAAHh4eAP///wgAAAAAAAAAAAAAAAAAAAAAAAAAAAAAAAAAAAAAZAAAAAEAAABAAAAAAAAAAAAAAAAAAAAAAAAAAAAAAAAAAAAAAAAAAAAAAAAAAAAAAAAAAAAAAAAAAAAAAAAAAAAAAAAAAAAAAAAAAAAAAAAAAAAAAAAAAAAAAAAAAAAAFAAAADwAAAAAAAAAAAAAAAAAAAkAAAAAAQAAAAAAAAAAAAAAAAAAAAAAAAAAAAAAZAAAAGQAAAAAAAAAZAAAAGQAAAAVAAAAYAAAAAAAAAAAAAAADwAAACADAAAAAAAAAAAAAAEAAACgMgAAAAAAAAAAAAABAAAAf39/AAEAAABkAAAAAAAAABQAAABAHwAAAAAAACYAAAAAAAAAwOD//wAAAAAmAAAAZAAAABYAAABMAAAAAAAAAAAAAAAEAAAAAAAAAAEAAACAgIAKAAAAACgAAAAoAAAAZAAAAGQAAAAAAAAAzMzMAAAAAABQAAAAUAAAAGQAAABkAAAAAAAAABcAAAAUAAAAAAAAAAAAAAD/fwAA/38AAAAAAAAJAAAABAAAAGNOdlMMAAAAEAAAAAAAAAAAAAAAAAAAAAAAAAAeAAAAaAAAAAAAAAAAAAAAAAAAAAAAAAAAAAAAECcAABAnAAAAAAAAAAAAAAAAAAAAAAAAAAAAAAAAAAAAAAAAAAAAABQAAAAAAAAAwMD/AAAAAABkAAAAMgAAAAAAAABkAAAAAAAAAH9/fwAKAAAAHwAAAFQAAAAeHh4A////AQAAAAAAAAAAAAAAAAAAAAAAAAAAAAAAAAAAAAAAAAAAAAAAAn9/fwCAgIADzMzMAMDA/wB/f38AAAAAAAAAAAAAAAAAAAAAAAAAAAAhAAAAGAAAABQAAAAAAAAAZQcAAEA4AAC4CAAAEAAAACYAAAAIAAAA//////////8="/>
               </a:ext>
             </a:extLst>
           </p:cNvSpPr>
@@ -18475,7 +18475,7 @@
           <p:cNvSpPr>
             <a:extLst>
               <a:ext uri="smNativeData">
-                <pr:smNativeData xmlns:pr="smNativeData" val="SMDATA_13_IrKAXRMAAAAlAAAAZAAAAA8BAAAAkAAAAEgAAACQAAAASAAAAAAAAAABAAAAAAAAAAEAAABQAAAAAAAAAAAA4D8AAAAAAADgPwAAAAAAAOA/AAAAAAAA4D8AAAAAAADgPwAAAAAAAOA/AAAAAAAA4D8AAAAAAADgPwAAAAAAAOA/AAAAAAAA4D8CAAAAjAAAAAAAAAAAAAAAu+DjDP///wgAAAAAAAAAAAAAAAAAAAAAAAAAAAAAAAAAAAAAZAAAAAEAAABAAAAAAAAAAAAAAAAAAAAAAAAAAAAAAAAAAAAAAAAAAAAAAAAAAAAAAAAAAAAAAAAAAAAAAAAAAAAAAAAAAAAAAAAAAAAAAAAAAAAAAAAAAAAAAAAAAAAAFAAAADwAAAAAAAAAAAAAAAAAAAkUAAAAAQAAABQAAAAUAAAAFAAAAAEAAAAAAAAAZAAAAGQAAAAAAAAAZAAAAGQAAAAVAAAAYAAAAAAAAAAAAAAADwAAACADAAAAAAAAAAAAAAEAAACgMgAAVgcAAKr4//8BAAAAf39/AAEAAABkAAAAAAAAABQAAABAHwAAAAAAACYAAAAAAAAAwOD//wAAAAAmAAAAZAAAABYAAABMAAAAAAAAAAAAAAAEAAAAAAAAAAEAAACAgIAKAAAAACgAAAAoAAAAZAAAAGQAAAAAAAAAzMzMAAAAAABQAAAAUAAAAGQAAABkAAAAAAAAABcAAAAUAAAAAAAAAAAAAAD/fwAA/38AAAAAAAAJAAAABAAAAAAAAAAMAAAAEAAAAAAAAAAAAAAAAAAAAAAAAAAeAAAAaAAAAAAAAAAAAAAAAAAAAAAAAAAAAAAAECcAABAnAAAAAAAAAAAAAAAAAAAAAAAAAAAAAAAAAAAAAAAAAAAAABQAAAAAAAAAwMD/AAAAAABkAAAAMgAAAAAAAABkAAAAAAAAAH9/fwAKAAAAHwAAAFQAAAC74OMF////AQAAAAAAAAAAAAAAAAAAAAAAAAAAAAAAAAAAAAAAAAAAAAAAAn9/fwCAgIADzMzMAMDA/wB/f38AAAAAAAAAAAAAAAAAAAAAAAAAAAAhAAAAGAAAABQAAABqBAAAiAMAABY0AAAoBwAAEAAAACYAAAAIAAAA//////////8="/>
+                <pr:smNativeData xmlns:pr="smNativeData" val="SMDATA_13_gcGAXRMAAAAlAAAAZAAAAA8BAAAAkAAAAEgAAACQAAAASAAAAAAAAAABAAAAAAAAAAEAAABQAAAAAAAAAAAA4D8AAAAAAADgPwAAAAAAAOA/AAAAAAAA4D8AAAAAAADgPwAAAAAAAOA/AAAAAAAA4D8AAAAAAADgPwAAAAAAAOA/AAAAAAAA4D8CAAAAjAAAAAAAAAAAAAAAu+DjDP///wgAAAAAAAAAAAAAAAAAAAAAAAAAAAAAAAAAAAAAZAAAAAEAAABAAAAAAAAAAAAAAAAAAAAAAAAAAAAAAAAAAAAAAAAAAAAAAAAAAAAAAAAAAAAAAAAAAAAAAAAAAAAAAAAAAAAAAAAAAAAAAAAAAAAAAAAAAAAAAAAAAAAAFAAAADwAAAAAAAAAAAAAAAAAAAkUAAAAAQAAABQAAAAUAAAAFAAAAAEAAAAAAAAAZAAAAGQAAAAAAAAAZAAAAGQAAAAVAAAAYAAAAAAAAAAAAAAADwAAACADAAAAAAAAAAAAAAEAAACgMgAAVgcAAKr4//8BAAAAf39/AAEAAABkAAAAAAAAABQAAABAHwAAAAAAACYAAAAAAAAAwOD//wAAAAAmAAAAZAAAABYAAABMAAAAAAAAAAAAAAAEAAAAAAAAAAEAAACAgIAKAAAAACgAAAAoAAAAZAAAAGQAAAAAAAAAzMzMAAAAAABQAAAAUAAAAGQAAABkAAAAAAAAABcAAAAUAAAAAAAAAAAAAAD/fwAA/38AAAAAAAAJAAAABAAAAAAAAAAMAAAAEAAAAAAAAAAAAAAAAAAAAAAAAAAeAAAAaAAAAAAAAAAAAAAAAAAAAAAAAAAAAAAAECcAABAnAAAAAAAAAAAAAAAAAAAAAAAAAAAAAAAAAAAAAAAAAAAAABQAAAAAAAAAwMD/AAAAAABkAAAAMgAAAAAAAABkAAAAAAAAAH9/fwAKAAAAHwAAAFQAAAC74OMF////AQAAAAAAAAAAAAAAAAAAAAAAAAAAAAAAAAAAAAAAAAAAAAAAAn9/fwCAgIADzMzMAMDA/wB/f38AAAAAAAAAAAAAAAAAAAAAAAAAAAAhAAAAGAAAABQAAABqBAAAiAMAABY0AAAoBwAAEAAAACYAAAAIAAAA//////////8="/>
               </a:ext>
             </a:extLst>
           </p:cNvSpPr>
@@ -18521,7 +18521,7 @@
           <p:cNvSpPr>
             <a:extLst>
               <a:ext uri="smNativeData">
-                <pr:smNativeData xmlns:pr="smNativeData" val="SMDATA_13_IrKAXRMAAAAlAAAAZAAAAA8BAAAAkAAAAEgAAACQAAAASAAAAAAAAAAAAAAAAAAAAAEAAABQAAAAAAAAAAAA4D8AAAAAAADgPwAAAAAAAOA/AAAAAAAA4D8AAAAAAADgPwAAAAAAAOA/AAAAAAAA4D8AAAAAAADgPwAAAAAAAOA/AAAAAAAA4D8CAAAAjAAAAAEAAAAAAAAAHh4eAP///wgAAAAAAAAAAAAAAAAAAAAAAAAAAAAAAAAAAAAAZAAAAAEAAABAAAAAAAAAAAAAAAAAAAAAAAAAAAAAAAAAAAAAAAAAAAAAAAAAAAAAAAAAAAAAAAAAAAAAAAAAAAAAAAAAAAAAAAAAAAAAAAAAAAAAAAAAAAAAAAAAAAAAFAAAADwAAAAAAAAAAAAAAAAAAAkAAAAAAQAAAAAAAAAAAAAAAAAAAAAAAAAAAAAAZAAAAGQAAAAAAAAAZAAAAGQAAAAVAAAAYAAAAAAAAAAAAAAADwAAACADAAAAAAAAAAAAAAEAAACgMgAAAAAAAAAAAAABAAAAf39/AAEAAABkAAAAAAAAABQAAABAHwAAAAAAACYAAAAAAAAAwOD//wAAAAAmAAAAZAAAABYAAABMAAAAAAAAAAAAAAAEAAAAAAAAAAEAAACAgIAKAAAAACgAAAAoAAAAZAAAAGQAAAAAAAAAzMzMAAAAAABQAAAAUAAAAGQAAABkAAAAAAAAABcAAAAUAAAAAAAAAAAAAAD/fwAA/38AAAAAAAAJAAAABAAAAHlsZT4MAAAAEAAAAAAAAAAAAAAAAAAAAAAAAAAeAAAAaAAAAAAAAAAAAAAAAAAAAAAAAAAAAAAAECcAABAnAAAAAAAAAAAAAAAAAAAAAAAAAAAAAAAAAAAAAAAAAAAAABQAAAAAAAAAwMD/AAAAAABkAAAAMgAAAAAAAABkAAAAAAAAAH9/fwAKAAAAHwAAAFQAAAAeHh4A////AQAAAAAAAAAAAAAAAAAAAAAAAAAAAAAAAAAAAAAAAAAAAAAAAn9/fwCAgIADzMzMAMDA/wB/f38AAAAAAAAAAAAAAAAAAAAAAAAAAAAhAAAAGAAAABQAAAAAAAAAZQcAAEA4AAC4CAAAEAAAACYAAAAIAAAA//////////8="/>
+                <pr:smNativeData xmlns:pr="smNativeData" val="SMDATA_13_gcGAXRMAAAAlAAAAZAAAAA8BAAAAkAAAAEgAAACQAAAASAAAAAAAAAAAAAAAAAAAAAEAAABQAAAAAAAAAAAA4D8AAAAAAADgPwAAAAAAAOA/AAAAAAAA4D8AAAAAAADgPwAAAAAAAOA/AAAAAAAA4D8AAAAAAADgPwAAAAAAAOA/AAAAAAAA4D8CAAAAjAAAAAEAAAAAAAAAHh4eAP///wgAAAAAAAAAAAAAAAAAAAAAAAAAAAAAAAAAAAAAZAAAAAEAAABAAAAAAAAAAAAAAAAAAAAAAAAAAAAAAAAAAAAAAAAAAAAAAAAAAAAAAAAAAAAAAAAAAAAAAAAAAAAAAAAAAAAAAAAAAAAAAAAAAAAAAAAAAAAAAAAAAAAAFAAAADwAAAAAAAAAAAAAAAAAAAkAAAAAAQAAAAAAAAAAAAAAAAAAAAAAAAAAAAAAZAAAAGQAAAAAAAAAZAAAAGQAAAAVAAAAYAAAAAAAAAAAAAAADwAAACADAAAAAAAAAAAAAAEAAACgMgAAAAAAAAAAAAABAAAAf39/AAEAAABkAAAAAAAAABQAAABAHwAAAAAAACYAAAAAAAAAwOD//wAAAAAmAAAAZAAAABYAAABMAAAAAAAAAAAAAAAEAAAAAAAAAAEAAACAgIAKAAAAACgAAAAoAAAAZAAAAGQAAAAAAAAAzMzMAAAAAABQAAAAUAAAAGQAAABkAAAAAAAAABcAAAAUAAAAAAAAAAAAAAD/fwAA/38AAAAAAAAJAAAABAAAAHlsZT4MAAAAEAAAAAAAAAAAAAAAAAAAAAAAAAAeAAAAaAAAAAAAAAAAAAAAAAAAAAAAAAAAAAAAECcAABAnAAAAAAAAAAAAAAAAAAAAAAAAAAAAAAAAAAAAAAAAAAAAABQAAAAAAAAAwMD/AAAAAABkAAAAMgAAAAAAAABkAAAAAAAAAH9/fwAKAAAAHwAAAFQAAAAeHh4A////AQAAAAAAAAAAAAAAAAAAAAAAAAAAAAAAAAAAAAAAAAAAAAAAAn9/fwCAgIADzMzMAMDA/wB/f38AAAAAAAAAAAAAAAAAAAAAAAAAAAAhAAAAGAAAABQAAAAAAAAAZQcAAEA4AAC4CAAAEAAAACYAAAAIAAAA//////////8="/>
               </a:ext>
             </a:extLst>
           </p:cNvSpPr>
@@ -18551,7 +18551,7 @@
             <a:picLocks noChangeAspect="1"/>
             <a:extLst>
               <a:ext uri="smNativeData">
-                <pr:smNativeData xmlns:pr="smNativeData" val="SMDATA_15_IrKAXRMAAAAlAAAAEQAAAC8BAAAAkAAAAEgAAACQAAAASAAAAAAAAAAAAAAAAAAAAAEAAABQAAAAAAAAAAAA4D8AAAAAAADgPwAAAAAAAOA/AAAAAAAA4D8AAAAAAADgPwAAAAAAAOA/AAAAAAAA4D8AAAAAAADgPwAAAAAAAOA/AAAAAAAA4D8CAAAAjAAAAAAAAAAAAAAAu+DjDP///wgAAAAAAAAAAAAAAAAAAAAAAAAAAAAAAAAAAAAAZAAAAAEAAABAAAAAAAAAAAAAAAAAAAAAAAAAAAAAAAAAAAAAAAAAAAAAAAAAAAAAAAAAAAAAAAAAAAAAAAAAAAAAAAAAAAAAAAAAAAAAAAAAAAAAAAAAAAAAAAAAAAAAFAAAADwAAAAAAAAAAAAAAAAAAAkUAAAAAQAAABQAAAAUAAAAFAAAAAEAAAAAAAAAZAAAAGQAAAAAAAAAZAAAAGQAAAAVAAAAYAAAAAAAAAAAAAAADwAAACADAAAAAAAAAAAAAAEAAACgMgAAVgcAAKr4//8BAAAAf39/AAEAAABkAAAAAAAAABQAAABAHwAAAAAAACYAAAAAAAAAwOD//wAAAAAmAAAAZAAAABYAAABMAAAAAAAAAAAAAAAEAAAAAAAAAAEAAACAgIAKAAAAACgAAAAoAAAAZAAAAGQAAAAAAAAAzMzMAAAAAABQAAAAUAAAAGQAAABkAAAAAAAAAAcAAAA4AAAAAAAAAAAAAAAAAAAA////AAAAAAAAAAAAAAAAAAAAAAAAAAAAAAAAAAAAAABkAAAAZAAAAAAAAAAjAAAABAAAAGQAAAAXAAAAFAAAAAAAAAAAAAAA/38AAP9/AAAAAAAACQAAAAQAAAAAAAAADAAAABAAAAAAAAAAAAAAAAAAAAAAAAAAHgAAAGgAAAAAAAAAAAAAAAAAAAAAAAAAAAAAABAnAAAQJwAAAAAAAAAAAAAAAAAAAAAAAAAAAAAAAAAAAAAAAAAAAAAUAAAAAAAAAMDA/wAAAAAAZAAAADIAAAAAAAAAZAAAAAAAAAB/f38ACgAAAB8AAABUAAAAu+DjBf///wEAAAAAAAAAAAAAAAAAAAAAAAAAAAAAAAAAAAAAAAAAAAAAAAJ/f38AgICAA8zMzADAwP8Af39/AAAAAAAAAAAAAAAAAP///wAAAAAAIQAAABgAAAAUAAAAAQAAAMYMAABAOAAA2SgAABAAAAAmAAAACAAAAP//////////"/>
+                <pr:smNativeData xmlns:pr="smNativeData" val="SMDATA_15_gcGAXRMAAAAlAAAAEQAAAC8BAAAAkAAAAEgAAACQAAAASAAAAAAAAAAAAAAAAAAAAAEAAABQAAAAAAAAAAAA4D8AAAAAAADgPwAAAAAAAOA/AAAAAAAA4D8AAAAAAADgPwAAAAAAAOA/AAAAAAAA4D8AAAAAAADgPwAAAAAAAOA/AAAAAAAA4D8CAAAAjAAAAAAAAAAAAAAAu+DjDP///wgAAAAAAAAAAAAAAAAAAAAAAAAAAAAAAAAAAAAAZAAAAAEAAABAAAAAAAAAAAAAAAAAAAAAAAAAAAAAAAAAAAAAAAAAAAAAAAAAAAAAAAAAAAAAAAAAAAAAAAAAAAAAAAAAAAAAAAAAAAAAAAAAAAAAAAAAAAAAAAAAAAAAFAAAADwAAAAAAAAAAAAAAAAAAAkUAAAAAQAAABQAAAAUAAAAFAAAAAEAAAAAAAAAZAAAAGQAAAAAAAAAZAAAAGQAAAAVAAAAYAAAAAAAAAAAAAAADwAAACADAAAAAAAAAAAAAAEAAACgMgAAVgcAAKr4//8BAAAAf39/AAEAAABkAAAAAAAAABQAAABAHwAAAAAAACYAAAAAAAAAwOD//wAAAAAmAAAAZAAAABYAAABMAAAAAAAAAAAAAAAEAAAAAAAAAAEAAACAgIAKAAAAACgAAAAoAAAAZAAAAGQAAAAAAAAAzMzMAAAAAABQAAAAUAAAAGQAAABkAAAAAAAAAAcAAAA4AAAAAAAAAAAAAAAAAAAA////AAAAAAAAAAAAAAAAAAAAAAAAAAAAAAAAAAAAAABkAAAAZAAAAAAAAAAjAAAABAAAAGQAAAAXAAAAFAAAAAAAAAAAAAAA/38AAP9/AAAAAAAACQAAAAQAAAAAAAAADAAAABAAAAAAAAAAAAAAAAAAAAAAAAAAHgAAAGgAAAAAAAAAAAAAAAAAAAAAAAAAAAAAABAnAAAQJwAAAAAAAAAAAAAAAAAAAAAAAAAAAAAAAAAAAAAAAAAAAAAUAAAAAAAAAMDA/wAAAAAAZAAAADIAAAAAAAAAZAAAAAAAAAB/f38ACgAAAB8AAABUAAAAu+DjBf///wEAAAAAAAAAAAAAAAAAAAAAAAAAAAAAAAAAAAAAAAAAAAAAAAJ/f38AgICAA8zMzADAwP8Af39/AAAAAAAAAAAAAAAAAP///wAAAAAAIQAAABgAAAAUAAAAAQAAAMYMAABAOAAA2SgAABAAAAAmAAAACAAAAP//////////"/>
               </a:ext>
             </a:extLst>
           </p:cNvPicPr>
@@ -18584,7 +18584,7 @@
           <p:cNvSpPr txBox="1">
             <a:extLst>
               <a:ext uri="smNativeData">
-                <pr:smNativeData xmlns:pr="smNativeData" val="SMDATA_13_IrKAXRMAAAAlAAAAEgAAAE8BAAAAkAAAAEgAAACQAAAASAAAAAAAAAAAAAAAAAAAAAEAAABQAAAAAAAAAAAA4D8AAAAAAADgPwAAAAAAAOA/AAAAAAAA4D8AAAAAAADgPwAAAAAAAOA/AAAAAAAA4D8AAAAAAADgPwAAAAAAAOA/AAAAAAAA4D8CAAAAjAAAAAAAAAAAAAAAu+DjDP///wgAAAAAAAAAAAAAAAAAAAAAAAAAAAAAAAAAAAAAZAAAAAEAAABAAAAAAAAAAAAAAAAAAAAAAAAAAAAAAAAAAAAAAAAAAAAAAAAAAAAAAAAAAAAAAAAAAAAAAAAAAAAAAAAAAAAAAAAAAAAAAAAAAAAAAAAAAAAAAAAAAAAAFAAAADwAAAAAAAAAAAAAAAAAAAkUAAAAAQAAABQAAAAUAAAAFAAAAAEAAAAAAAAAZAAAAGQAAAAAAAAAZAAAAGQAAAAVAAAAYAAAAAAAAAAAAAAADwAAACADAAAAAAAAAAAAAAEAAACgMgAAVgcAAKr4//8BAAAAf39/AAEAAABkAAAAAAAAABQAAABAHwAAAAAAACYAAAAAAAAAwOD//wAAAAAmAAAAZAAAABYAAABMAAAAAAAAAAAAAAAEAAAAAAAAAAEAAACAgIAKAAAAACgAAAAoAAAAZAAAAGQAAAAAAAAAzMzMAAAAAABQAAAAUAAAAGQAAABkAAAAAAAAABcAAAAUAAAAAAAAANwIAAD/fwAA/38AAAAAAAAJAAAABAAAADAYIQIMAAAAEAAAAAAAAAAAAAAAAAAAAAAAAAAeAAAAaAAAAAAAAAAAAAAAAAAAAAAAAAAAAAAAECcAABAnAAAAAAAAAAAAAAAAAAAAAAAAAAAAAAAAAAAAAAAAAAAAABQAAAAAAAAAwMD/AAAAAABkAAAAMgAAAAAAAABkAAAAAAAAAH9/fwAKAAAAHwAAAFQAAAC74OMF////AQAAAAAAAAAAAAAAAAAAAAAAAAAAAAAAAAAAAAAAAAAAAAAAAn9/fwCAgIADzMzMAMDA/wB/f38AAAAAAAAAAAAAAAAAAAAAAAAAAAAhAAAAGAAAABQAAABqBAAA1AgAABY0AAAUCwAAECAAACYAAAAIAAAA//////////8="/>
+                <pr:smNativeData xmlns:pr="smNativeData" val="SMDATA_13_gcGAXRMAAAAlAAAAEgAAAE8BAAAAkAAAAEgAAACQAAAASAAAAAAAAAAAAAAAAAAAAAEAAABQAAAAAAAAAAAA4D8AAAAAAADgPwAAAAAAAOA/AAAAAAAA4D8AAAAAAADgPwAAAAAAAOA/AAAAAAAA4D8AAAAAAADgPwAAAAAAAOA/AAAAAAAA4D8CAAAAjAAAAAAAAAAAAAAAu+DjDP///wgAAAAAAAAAAAAAAAAAAAAAAAAAAAAAAAAAAAAAZAAAAAEAAABAAAAAAAAAAAAAAAAAAAAAAAAAAAAAAAAAAAAAAAAAAAAAAAAAAAAAAAAAAAAAAAAAAAAAAAAAAAAAAAAAAAAAAAAAAAAAAAAAAAAAAAAAAAAAAAAAAAAAFAAAADwAAAAAAAAAAAAAAAAAAAkUAAAAAQAAABQAAAAUAAAAFAAAAAEAAAAAAAAAZAAAAGQAAAAAAAAAZAAAAGQAAAAVAAAAYAAAAAAAAAAAAAAADwAAACADAAAAAAAAAAAAAAEAAACgMgAAVgcAAKr4//8BAAAAf39/AAEAAABkAAAAAAAAABQAAABAHwAAAAAAACYAAAAAAAAAwOD//wAAAAAmAAAAZAAAABYAAABMAAAAAAAAAAAAAAAEAAAAAAAAAAEAAACAgIAKAAAAACgAAAAoAAAAZAAAAGQAAAAAAAAAzMzMAAAAAABQAAAAUAAAAGQAAABkAAAAAAAAABcAAAAUAAAAAAAAANwIAAD/fwAA/38AAAAAAAAJAAAABAAAADAYIQIMAAAAEAAAAAAAAAAAAAAAAAAAAAAAAAAeAAAAaAAAAAAAAAAAAAAAAAAAAAAAAAAAAAAAECcAABAnAAAAAAAAAAAAAAAAAAAAAAAAAAAAAAAAAAAAAAAAAAAAABQAAAAAAAAAwMD/AAAAAABkAAAAMgAAAAAAAABkAAAAAAAAAH9/fwAKAAAAHwAAAFQAAAC74OMF////AQAAAAAAAAAAAAAAAAAAAAAAAAAAAAAAAAAAAAAAAAAAAAAAAn9/fwCAgIADzMzMAMDA/wB/f38AAAAAAAAAAAAAAAAAAAAAAAAAAAAhAAAAGAAAABQAAABqBAAA1AgAABY0AAAUCwAAECAAACYAAAAIAAAA//////////8="/>
               </a:ext>
             </a:extLst>
           </p:cNvSpPr>
@@ -18670,7 +18670,7 @@
           <p:cNvSpPr>
             <a:extLst>
               <a:ext uri="smNativeData">
-                <pr:smNativeData xmlns:pr="smNativeData" val="SMDATA_13_IrKAXRMAAAAlAAAAZAAAAA8BAAAAkAAAAEgAAACQAAAASAAAAAAAAAABAAAAAAAAAAEAAABQAAAAAAAAAAAA4D8AAAAAAADgPwAAAAAAAOA/AAAAAAAA4D8AAAAAAADgPwAAAAAAAOA/AAAAAAAA4D8AAAAAAADgPwAAAAAAAOA/AAAAAAAA4D8CAAAAjAAAAAAAAAAAAAAAu+DjDP///wgAAAAAAAAAAAAAAAAAAAAAAAAAAAAAAAAAAAAAZAAAAAEAAABAAAAAAAAAAAAAAAAAAAAAAAAAAAAAAAAAAAAAAAAAAAAAAAAAAAAAAAAAAAAAAAAAAAAAAAAAAAAAAAAAAAAAAAAAAAAAAAAAAAAAAAAAAAAAAAAAAAAAFAAAADwAAAAAAAAAAAAAAAAAAAkUAAAAAQAAABQAAAAUAAAAFAAAAAEAAAAAAAAAZAAAAGQAAAAAAAAAZAAAAGQAAAAVAAAAYAAAAAAAAAAAAAAADwAAACADAAAAAAAAAAAAAAEAAACgMgAAVgcAAKr4//8BAAAAf39/AAEAAABkAAAAAAAAABQAAABAHwAAAAAAACYAAAAAAAAAwOD//wAAAAAmAAAAZAAAABYAAABMAAAAAAAAAAAAAAAEAAAAAAAAAAEAAACAgIAKAAAAACgAAAAoAAAAZAAAAGQAAAAAAAAAzMzMAAAAAABQAAAAUAAAAGQAAABkAAAAAAAAABcAAAAUAAAAAAAAAAAAAAD/fwAA/38AAAAAAAAJAAAABAAAADAYIQIMAAAAEAAAAAAAAAAAAAAAAAAAAAAAAAAeAAAAaAAAAAAAAAAAAAAAAAAAAAAAAAAAAAAAECcAABAnAAAAAAAAAAAAAAAAAAAAAAAAAAAAAAAAAAAAAAAAAAAAABQAAAAAAAAAwMD/AAAAAABkAAAAMgAAAAAAAABkAAAAAAAAAH9/fwAKAAAAHwAAAFQAAAC74OMF////AQAAAAAAAAAAAAAAAAAAAAAAAAAAAAAAAAAAAAAAAAAAAAAAAn9/fwCAgIADzMzMAMDA/wB/f38AAAAAAAAAAAAAAAAAAAAAAAAAAAAhAAAAGAAAABQAAABqBAAAiAMAABY0AAAoBwAAEAAAACYAAAAIAAAA//////////8="/>
+                <pr:smNativeData xmlns:pr="smNativeData" val="SMDATA_13_gcGAXRMAAAAlAAAAZAAAAA8BAAAAkAAAAEgAAACQAAAASAAAAAAAAAABAAAAAAAAAAEAAABQAAAAAAAAAAAA4D8AAAAAAADgPwAAAAAAAOA/AAAAAAAA4D8AAAAAAADgPwAAAAAAAOA/AAAAAAAA4D8AAAAAAADgPwAAAAAAAOA/AAAAAAAA4D8CAAAAjAAAAAAAAAAAAAAAu+DjDP///wgAAAAAAAAAAAAAAAAAAAAAAAAAAAAAAAAAAAAAZAAAAAEAAABAAAAAAAAAAAAAAAAAAAAAAAAAAAAAAAAAAAAAAAAAAAAAAAAAAAAAAAAAAAAAAAAAAAAAAAAAAAAAAAAAAAAAAAAAAAAAAAAAAAAAAAAAAAAAAAAAAAAAFAAAADwAAAAAAAAAAAAAAAAAAAkUAAAAAQAAABQAAAAUAAAAFAAAAAEAAAAAAAAAZAAAAGQAAAAAAAAAZAAAAGQAAAAVAAAAYAAAAAAAAAAAAAAADwAAACADAAAAAAAAAAAAAAEAAACgMgAAVgcAAKr4//8BAAAAf39/AAEAAABkAAAAAAAAABQAAABAHwAAAAAAACYAAAAAAAAAwOD//wAAAAAmAAAAZAAAABYAAABMAAAAAAAAAAAAAAAEAAAAAAAAAAEAAACAgIAKAAAAACgAAAAoAAAAZAAAAGQAAAAAAAAAzMzMAAAAAABQAAAAUAAAAGQAAABkAAAAAAAAABcAAAAUAAAAAAAAAAAAAAD/fwAA/38AAAAAAAAJAAAABAAAADAYIQIMAAAAEAAAAAAAAAAAAAAAAAAAAAAAAAAeAAAAaAAAAAAAAAAAAAAAAAAAAAAAAAAAAAAAECcAABAnAAAAAAAAAAAAAAAAAAAAAAAAAAAAAAAAAAAAAAAAAAAAABQAAAAAAAAAwMD/AAAAAABkAAAAMgAAAAAAAABkAAAAAAAAAH9/fwAKAAAAHwAAAFQAAAC74OMF////AQAAAAAAAAAAAAAAAAAAAAAAAAAAAAAAAAAAAAAAAAAAAAAAAn9/fwCAgIADzMzMAMDA/wB/f38AAAAAAAAAAAAAAAAAAAAAAAAAAAAhAAAAGAAAABQAAABqBAAAiAMAABY0AAAoBwAAEAAAACYAAAAIAAAA//////////8="/>
               </a:ext>
             </a:extLst>
           </p:cNvSpPr>
@@ -18716,7 +18716,7 @@
           <p:cNvSpPr txBox="1">
             <a:extLst>
               <a:ext uri="smNativeData">
-                <pr:smNativeData xmlns:pr="smNativeData" val="SMDATA_13_IrKAXRMAAAAlAAAAEgAAAE8BAAAAkAAAAEgAAACQAAAASAAAAAAAAAAAAAAAAAAAAAEAAABQAAAAAAAAAAAA4D8AAAAAAADgPwAAAAAAAOA/AAAAAAAA4D8AAAAAAADgPwAAAAAAAOA/AAAAAAAA4D8AAAAAAADgPwAAAAAAAOA/AAAAAAAA4D8CAAAAjAAAAAAAAAAAAAAAu+DjDP///wgAAAAAAAAAAAAAAAAAAAAAAAAAAAAAAAAAAAAAZAAAAAEAAABAAAAAAAAAAAAAAAAAAAAAAAAAAAAAAAAAAAAAAAAAAAAAAAAAAAAAAAAAAAAAAAAAAAAAAAAAAAAAAAAAAAAAAAAAAAAAAAAAAAAAAAAAAAAAAAAAAAAAFAAAADwAAAAAAAAAAAAAAAAAAAkUAAAAAQAAABQAAAAUAAAAFAAAAAEAAAAAAAAAZAAAAGQAAAAAAAAAZAAAAGQAAAAVAAAAYAAAAAAAAAAAAAAADwAAACADAAAAAAAAAAAAAAEAAACgMgAAVgcAAKr4//8BAAAAf39/AAEAAABkAAAAAAAAABQAAABAHwAAAAAAACYAAAAAAAAAwOD//wAAAAAmAAAAZAAAABYAAABMAAAAAAAAAAAAAAAEAAAAAAAAAAEAAACAgIAKAAAAACgAAAAoAAAAZAAAAGQAAAAAAAAAzMzMAAAAAABQAAAAUAAAAGQAAABkAAAAAAAAABcAAAAUAAAAAAAAANwIAAD/fwAA/38AAAAAAAAJAAAABAAAAAAAAAAMAAAAEAAAAAAAAAAAAAAAAAAAAAAAAAAeAAAAaAAAAAAAAAAAAAAAAAAAAAAAAAAAAAAAECcAABAnAAAAAAAAAAAAAAAAAAAAAAAAAAAAAAAAAAAAAAAAAAAAABQAAAAAAAAAwMD/AAAAAABkAAAAMgAAAAAAAABkAAAAAAAAAH9/fwAKAAAAHwAAAFQAAAC74OMF////AQAAAAAAAAAAAAAAAAAAAAAAAAAAAAAAAAAAAAAAAAAAAAAAAn9/fwCAgIADzMzMAMDA/wB/f38AAAAAAAAAAAAAAAAAAAAAAAAAAAAhAAAAGAAAABQAAADfBgAAtg4AALsPAACmEgAAECAAACYAAAAIAAAA//////////8="/>
+                <pr:smNativeData xmlns:pr="smNativeData" val="SMDATA_13_gcGAXRMAAAAlAAAAEgAAAE8BAAAAkAAAAEgAAACQAAAASAAAAAAAAAAAAAAAAAAAAAEAAABQAAAAAAAAAAAA4D8AAAAAAADgPwAAAAAAAOA/AAAAAAAA4D8AAAAAAADgPwAAAAAAAOA/AAAAAAAA4D8AAAAAAADgPwAAAAAAAOA/AAAAAAAA4D8CAAAAjAAAAAAAAAAAAAAAu+DjDP///wgAAAAAAAAAAAAAAAAAAAAAAAAAAAAAAAAAAAAAZAAAAAEAAABAAAAAAAAAAAAAAAAAAAAAAAAAAAAAAAAAAAAAAAAAAAAAAAAAAAAAAAAAAAAAAAAAAAAAAAAAAAAAAAAAAAAAAAAAAAAAAAAAAAAAAAAAAAAAAAAAAAAAFAAAADwAAAAAAAAAAAAAAAAAAAkUAAAAAQAAABQAAAAUAAAAFAAAAAEAAAAAAAAAZAAAAGQAAAAAAAAAZAAAAGQAAAAVAAAAYAAAAAAAAAAAAAAADwAAACADAAAAAAAAAAAAAAEAAACgMgAAVgcAAKr4//8BAAAAf39/AAEAAABkAAAAAAAAABQAAABAHwAAAAAAACYAAAAAAAAAwOD//wAAAAAmAAAAZAAAABYAAABMAAAAAAAAAAAAAAAEAAAAAAAAAAEAAACAgIAKAAAAACgAAAAoAAAAZAAAAGQAAAAAAAAAzMzMAAAAAABQAAAAUAAAAGQAAABkAAAAAAAAABcAAAAUAAAAAAAAANwIAAD/fwAA/38AAAAAAAAJAAAABAAAAAAAAAAMAAAAEAAAAAAAAAAAAAAAAAAAAAAAAAAeAAAAaAAAAAAAAAAAAAAAAAAAAAAAAAAAAAAAECcAABAnAAAAAAAAAAAAAAAAAAAAAAAAAAAAAAAAAAAAAAAAAAAAABQAAAAAAAAAwMD/AAAAAABkAAAAMgAAAAAAAABkAAAAAAAAAH9/fwAKAAAAHwAAAFQAAAC74OMF////AQAAAAAAAAAAAAAAAAAAAAAAAAAAAAAAAAAAAAAAAAAAAAAAAn9/fwCAgIADzMzMAMDA/wB/f38AAAAAAAAAAAAAAAAAAAAAAAAAAAAhAAAAGAAAABQAAADfBgAAtg4AALsPAACmEgAAECAAACYAAAAIAAAA//////////8="/>
               </a:ext>
             </a:extLst>
           </p:cNvSpPr>
@@ -18762,7 +18762,7 @@
           <p:cNvSpPr txBox="1">
             <a:extLst>
               <a:ext uri="smNativeData">
-                <pr:smNativeData xmlns:pr="smNativeData" val="SMDATA_13_IrKAXRMAAAAlAAAAEgAAAE8BAAAAkAAAAEgAAACQAAAASAAAAAAAAAAAAAAAAAAAAAEAAABQAAAAAAAAAAAA4D8AAAAAAADgPwAAAAAAAOA/AAAAAAAA4D8AAAAAAADgPwAAAAAAAOA/AAAAAAAA4D8AAAAAAADgPwAAAAAAAOA/AAAAAAAA4D8CAAAAjAAAAAAAAAAAAAAAu+DjDP///wgAAAAAAAAAAAAAAAAAAAAAAAAAAAAAAAAAAAAAZAAAAAEAAABAAAAAAAAAAAAAAAAAAAAAAAAAAAAAAAAAAAAAAAAAAAAAAAAAAAAAAAAAAAAAAAAAAAAAAAAAAAAAAAAAAAAAAAAAAAAAAAAAAAAAAAAAAAAAAAAAAAAAFAAAADwAAAAAAAAAAAAAAAAAAAkUAAAAAQAAABQAAAAUAAAAFAAAAAEAAAAAAAAAZAAAAGQAAAAAAAAAZAAAAGQAAAAVAAAAYAAAAAAAAAAAAAAADwAAACADAAAAAAAAAAAAAAEAAACgMgAAVgcAAKr4//8BAAAAf39/AAEAAABkAAAAAAAAABQAAABAHwAAAAAAACYAAAAAAAAAwOD//wAAAAAmAAAAZAAAABYAAABMAAAAAAAAAAAAAAAEAAAAAAAAAAEAAACAgIAKAAAAACgAAAAoAAAAZAAAAGQAAAAAAAAAzMzMAAAAAABQAAAAUAAAAGQAAABkAAAAAAAAABcAAAAUAAAAAAAAANwIAAD/fwAA/38AAAAAAAAJAAAABAAAAON4AAAMAAAAEAAAAAAAAAAAAAAAAAAAAAAAAAAeAAAAaAAAAAAAAAAAAAAAAAAAAAAAAAAAAAAAECcAABAnAAAAAAAAAAAAAAAAAAAAAAAAAAAAAAAAAAAAAAAAAAAAABQAAAAAAAAAwMD/AAAAAABkAAAAMgAAAAAAAABkAAAAAAAAAH9/fwAKAAAAHwAAAFQAAAC74OMF////AQAAAAAAAAAAAAAAAAAAAAAAAAAAAAAAAAAAAAAAAAAAAAAAAn9/fwCAgIADzMzMAMDA/wB/f38AAAAAAAAAAAAAAAAAAAAAAAAAAAAhAAAAGAAAABQAAABcFAAAohIAADgdAADSGAAAECAAACYAAAAIAAAA//////////8="/>
+                <pr:smNativeData xmlns:pr="smNativeData" val="SMDATA_13_gcGAXRMAAAAlAAAAEgAAAE8BAAAAkAAAAEgAAACQAAAASAAAAAAAAAAAAAAAAAAAAAEAAABQAAAAAAAAAAAA4D8AAAAAAADgPwAAAAAAAOA/AAAAAAAA4D8AAAAAAADgPwAAAAAAAOA/AAAAAAAA4D8AAAAAAADgPwAAAAAAAOA/AAAAAAAA4D8CAAAAjAAAAAAAAAAAAAAAu+DjDP///wgAAAAAAAAAAAAAAAAAAAAAAAAAAAAAAAAAAAAAZAAAAAEAAABAAAAAAAAAAAAAAAAAAAAAAAAAAAAAAAAAAAAAAAAAAAAAAAAAAAAAAAAAAAAAAAAAAAAAAAAAAAAAAAAAAAAAAAAAAAAAAAAAAAAAAAAAAAAAAAAAAAAAFAAAADwAAAAAAAAAAAAAAAAAAAkUAAAAAQAAABQAAAAUAAAAFAAAAAEAAAAAAAAAZAAAAGQAAAAAAAAAZAAAAGQAAAAVAAAAYAAAAAAAAAAAAAAADwAAACADAAAAAAAAAAAAAAEAAACgMgAAVgcAAKr4//8BAAAAf39/AAEAAABkAAAAAAAAABQAAABAHwAAAAAAACYAAAAAAAAAwOD//wAAAAAmAAAAZAAAABYAAABMAAAAAAAAAAAAAAAEAAAAAAAAAAEAAACAgIAKAAAAACgAAAAoAAAAZAAAAGQAAAAAAAAAzMzMAAAAAABQAAAAUAAAAGQAAABkAAAAAAAAABcAAAAUAAAAAAAAANwIAAD/fwAA/38AAAAAAAAJAAAABAAAAON4AAAMAAAAEAAAAAAAAAAAAAAAAAAAAAAAAAAeAAAAaAAAAAAAAAAAAAAAAAAAAAAAAAAAAAAAECcAABAnAAAAAAAAAAAAAAAAAAAAAAAAAAAAAAAAAAAAAAAAAAAAABQAAAAAAAAAwMD/AAAAAABkAAAAMgAAAAAAAABkAAAAAAAAAH9/fwAKAAAAHwAAAFQAAAC74OMF////AQAAAAAAAAAAAAAAAAAAAAAAAAAAAAAAAAAAAAAAAAAAAAAAAn9/fwCAgIADzMzMAMDA/wB/f38AAAAAAAAAAAAAAAAAAAAAAAAAAAAhAAAAGAAAABQAAABcFAAAohIAADgdAADSGAAAECAAACYAAAAIAAAA//////////8="/>
               </a:ext>
             </a:extLst>
           </p:cNvSpPr>
@@ -18817,7 +18817,7 @@
           <p:cNvSpPr txBox="1">
             <a:extLst>
               <a:ext uri="smNativeData">
-                <pr:smNativeData xmlns:pr="smNativeData" val="SMDATA_13_IrKAXRMAAAAlAAAAEgAAAA8BAAAAkAAAAEgAAACQAAAASAAAAAAAAAAAAAAAAAAAAAEAAABQAAAAAAAAAAAA4D8AAAAAAADgPwAAAAAAAOA/AAAAAAAA4D8AAAAAAADgPwAAAAAAAOA/AAAAAAAA4D8AAAAAAADgPwAAAAAAAOA/AAAAAAAA4D8CAAAAjAAAAAAAAAAAAAAAu+DjDP///wgAAAAAAAAAAAAAAAAAAAAAAAAAAAAAAAAAAAAAZAAAAAEAAABAAAAAAAAAAAAAAAAAAAAAAAAAAAAAAAAAAAAAAAAAAAAAAAAAAAAAAAAAAAAAAAAAAAAAAAAAAAAAAAAAAAAAAAAAAAAAAAAAAAAAAAAAAAAAAAAAAAAAFAAAADwAAAAAAAAAAAAAAAAAAAkUAAAAAQAAABQAAAAUAAAAFAAAAAEAAAAAAAAAZAAAAGQAAAAAAAAAZAAAAGQAAAAVAAAAYAAAAAAAAAAAAAAADwAAACADAAAAAAAAAAAAAAEAAACgMgAAVgcAAKr4//8BAAAAf39/AAEAAABkAAAAAAAAABQAAABAHwAAAAAAACYAAAAAAAAAwOD//wAAAAAmAAAAZAAAABYAAABMAAAAAAAAAAAAAAAEAAAAAAAAAAEAAACAgIAKAAAAACgAAAAoAAAAZAAAAGQAAAAAAAAAzMzMAAAAAABQAAAAUAAAAGQAAABkAAAAAAAAABcAAAAUAAAAAAAAANwIAAD/fwAA/38AAAAAAAAJAAAABAAAAAIAAAAMAAAAEAAAAAAAAAAAAAAAAAAAAAAAAAAeAAAAaAAAAAAAAAAAAAAAAAAAAAAAAAAAAAAAECcAABAnAAAAAAAAAAAAAAAAAAAAAAAAAAAAAAAAAAAAAAAAAAAAABQAAAAAAAAAwMD/AAAAAABkAAAAMgAAAAAAAABkAAAAAAAAAH9/fwAKAAAAHwAAAFQAAAC74OMF////AQAAAAAAAAAAAAAAAAAAAAAAAAAAAAAAAAAAAAAAAAAAAAAAAn9/fwCAgIADzMzMAMDA/wB/f38AAAAAAAAAAAAAAAAAAAAAAAAAAAAhAAAAGAAAABQAAAD7HwAArxIAANcoAACKFwAAEAAAACYAAAAIAAAA//////////8="/>
+                <pr:smNativeData xmlns:pr="smNativeData" val="SMDATA_13_gcGAXRMAAAAlAAAAEgAAAA8BAAAAkAAAAEgAAACQAAAASAAAAAAAAAAAAAAAAAAAAAEAAABQAAAAAAAAAAAA4D8AAAAAAADgPwAAAAAAAOA/AAAAAAAA4D8AAAAAAADgPwAAAAAAAOA/AAAAAAAA4D8AAAAAAADgPwAAAAAAAOA/AAAAAAAA4D8CAAAAjAAAAAAAAAAAAAAAu+DjDP///wgAAAAAAAAAAAAAAAAAAAAAAAAAAAAAAAAAAAAAZAAAAAEAAABAAAAAAAAAAAAAAAAAAAAAAAAAAAAAAAAAAAAAAAAAAAAAAAAAAAAAAAAAAAAAAAAAAAAAAAAAAAAAAAAAAAAAAAAAAAAAAAAAAAAAAAAAAAAAAAAAAAAAFAAAADwAAAAAAAAAAAAAAAAAAAkUAAAAAQAAABQAAAAUAAAAFAAAAAEAAAAAAAAAZAAAAGQAAAAAAAAAZAAAAGQAAAAVAAAAYAAAAAAAAAAAAAAADwAAACADAAAAAAAAAAAAAAEAAACgMgAAVgcAAKr4//8BAAAAf39/AAEAAABkAAAAAAAAABQAAABAHwAAAAAAACYAAAAAAAAAwOD//wAAAAAmAAAAZAAAABYAAABMAAAAAAAAAAAAAAAEAAAAAAAAAAEAAACAgIAKAAAAACgAAAAoAAAAZAAAAGQAAAAAAAAAzMzMAAAAAABQAAAAUAAAAGQAAABkAAAAAAAAABcAAAAUAAAAAAAAANwIAAD/fwAA/38AAAAAAAAJAAAABAAAAAIAAAAMAAAAEAAAAAAAAAAAAAAAAAAAAAAAAAAeAAAAaAAAAAAAAAAAAAAAAAAAAAAAAAAAAAAAECcAABAnAAAAAAAAAAAAAAAAAAAAAAAAAAAAAAAAAAAAAAAAAAAAABQAAAAAAAAAwMD/AAAAAABkAAAAMgAAAAAAAABkAAAAAAAAAH9/fwAKAAAAHwAAAFQAAAC74OMF////AQAAAAAAAAAAAAAAAAAAAAAAAAAAAAAAAAAAAAAAAAAAAAAAAn9/fwCAgIADzMzMAMDA/wB/f38AAAAAAAAAAAAAAAAAAAAAAAAAAAAhAAAAGAAAABQAAAD7HwAArxIAANcoAACKFwAAEAAAACYAAAAIAAAA//////////8="/>
               </a:ext>
             </a:extLst>
           </p:cNvSpPr>
@@ -18872,7 +18872,7 @@
           <p:cNvSpPr txBox="1">
             <a:extLst>
               <a:ext uri="smNativeData">
-                <pr:smNativeData xmlns:pr="smNativeData" val="SMDATA_13_IrKAXRMAAAAlAAAAEgAAAA8BAAAAkAAAAEgAAACQAAAASAAAAAAAAAAAAAAAAAAAAAEAAABQAAAAAAAAAAAA4D8AAAAAAADgPwAAAAAAAOA/AAAAAAAA4D8AAAAAAADgPwAAAAAAAOA/AAAAAAAA4D8AAAAAAADgPwAAAAAAAOA/AAAAAAAA4D8CAAAAjAAAAAAAAAAAAAAAu+DjDP///wgAAAAAAAAAAAAAAAAAAAAAAAAAAAAAAAAAAAAAZAAAAAEAAABAAAAAAAAAAAAAAAAAAAAAAAAAAAAAAAAAAAAAAAAAAAAAAAAAAAAAAAAAAAAAAAAAAAAAAAAAAAAAAAAAAAAAAAAAAAAAAAAAAAAAAAAAAAAAAAAAAAAAFAAAADwAAAAAAAAAAAAAAAAAAAkUAAAAAQAAABQAAAAUAAAAFAAAAAEAAAAAAAAAZAAAAGQAAAAAAAAAZAAAAGQAAAAVAAAAYAAAAAAAAAAAAAAADwAAACADAAAAAAAAAAAAAAEAAACgMgAAVgcAAKr4//8BAAAAf39/AAEAAABkAAAAAAAAABQAAABAHwAAAAAAACYAAAAAAAAAwOD//wAAAAAmAAAAZAAAABYAAABMAAAAAAAAAAAAAAAEAAAAAAAAAAEAAACAgIAKAAAAACgAAAAoAAAAZAAAAGQAAAAAAAAAzMzMAAAAAABQAAAAUAAAAGQAAABkAAAAAAAAABcAAAAUAAAAAAAAANwIAAD/fwAA/38AAAAAAAAJAAAABAAAAMMCAAAMAAAAEAAAAAAAAAAAAAAAAAAAAAAAAAAeAAAAaAAAAAAAAAAAAAAAAAAAAAAAAAAAAAAAECcAABAnAAAAAAAAAAAAAAAAAAAAAAAAAAAAAAAAAAAAAAAAAAAAABQAAAAAAAAAwMD/AAAAAABkAAAAMgAAAAAAAABkAAAAAAAAAH9/fwAKAAAAHwAAAFQAAAC74OMF////AQAAAAAAAAAAAAAAAAAAAAAAAAAAAAAAAAAAAAAAAAAAAAAAAn9/fwCAgIADzMzMAMDA/wB/f38AAAAAAAAAAAAAAAAAAAAAAAAAAAAhAAAAGAAAABQAAADRKgAA1w4AABY0AACYFAAAEAAAACYAAAAIAAAA//////////8="/>
+                <pr:smNativeData xmlns:pr="smNativeData" val="SMDATA_13_gcGAXRMAAAAlAAAAEgAAAA8BAAAAkAAAAEgAAACQAAAASAAAAAAAAAAAAAAAAAAAAAEAAABQAAAAAAAAAAAA4D8AAAAAAADgPwAAAAAAAOA/AAAAAAAA4D8AAAAAAADgPwAAAAAAAOA/AAAAAAAA4D8AAAAAAADgPwAAAAAAAOA/AAAAAAAA4D8CAAAAjAAAAAAAAAAAAAAAu+DjDP///wgAAAAAAAAAAAAAAAAAAAAAAAAAAAAAAAAAAAAAZAAAAAEAAABAAAAAAAAAAAAAAAAAAAAAAAAAAAAAAAAAAAAAAAAAAAAAAAAAAAAAAAAAAAAAAAAAAAAAAAAAAAAAAAAAAAAAAAAAAAAAAAAAAAAAAAAAAAAAAAAAAAAAFAAAADwAAAAAAAAAAAAAAAAAAAkUAAAAAQAAABQAAAAUAAAAFAAAAAEAAAAAAAAAZAAAAGQAAAAAAAAAZAAAAGQAAAAVAAAAYAAAAAAAAAAAAAAADwAAACADAAAAAAAAAAAAAAEAAACgMgAAVgcAAKr4//8BAAAAf39/AAEAAABkAAAAAAAAABQAAABAHwAAAAAAACYAAAAAAAAAwOD//wAAAAAmAAAAZAAAABYAAABMAAAAAAAAAAAAAAAEAAAAAAAAAAEAAACAgIAKAAAAACgAAAAoAAAAZAAAAGQAAAAAAAAAzMzMAAAAAABQAAAAUAAAAGQAAABkAAAAAAAAABcAAAAUAAAAAAAAANwIAAD/fwAA/38AAAAAAAAJAAAABAAAAMMCAAAMAAAAEAAAAAAAAAAAAAAAAAAAAAAAAAAeAAAAaAAAAAAAAAAAAAAAAAAAAAAAAAAAAAAAECcAABAnAAAAAAAAAAAAAAAAAAAAAAAAAAAAAAAAAAAAAAAAAAAAABQAAAAAAAAAwMD/AAAAAABkAAAAMgAAAAAAAABkAAAAAAAAAH9/fwAKAAAAHwAAAFQAAAC74OMF////AQAAAAAAAAAAAAAAAAAAAAAAAAAAAAAAAAAAAAAAAAAAAAAAAn9/fwCAgIADzMzMAMDA/wB/f38AAAAAAAAAAAAAAAAAAAAAAAAAAAAhAAAAGAAAABQAAADRKgAA1w4AABY0AACYFAAAEAAAACYAAAAIAAAA//////////8="/>
               </a:ext>
             </a:extLst>
           </p:cNvSpPr>
@@ -18924,7 +18924,7 @@
           <p:cNvSpPr txBox="1">
             <a:extLst>
               <a:ext uri="smNativeData">
-                <pr:smNativeData xmlns:pr="smNativeData" val="SMDATA_13_IrKAXRMAAAAlAAAAEgAAAA8BAAAAkAAAAEgAAACQAAAASAAAAAAAAAAAAAAAAAAAAAEAAABQAAAAAAAAAAAA4D8AAAAAAADgPwAAAAAAAOA/AAAAAAAA4D8AAAAAAADgPwAAAAAAAOA/AAAAAAAA4D8AAAAAAADgPwAAAAAAAOA/AAAAAAAA4D8CAAAAjAAAAAAAAAAAAAAAu+DjDP///wgAAAAAAAAAAAAAAAAAAAAAAAAAAAAAAAAAAAAAZAAAAAEAAABAAAAAAAAAAAAAAAAAAAAAAAAAAAAAAAAAAAAAAAAAAAAAAAAAAAAAAAAAAAAAAAAAAAAAAAAAAAAAAAAAAAAAAAAAAAAAAAAAAAAAAAAAAAAAAAAAAAAAFAAAADwAAAAAAAAAAAAAAAAAAAkUAAAAAQAAABQAAAAUAAAAFAAAAAEAAAAAAAAAZAAAAGQAAAAAAAAAZAAAAGQAAAAVAAAAYAAAAAAAAAAAAAAADwAAACADAAAAAAAAAAAAAAEAAACgMgAAVgcAAKr4//8BAAAAf39/AAEAAABkAAAAAAAAABQAAABAHwAAAAAAACYAAAAAAAAAwOD//wAAAAAmAAAAZAAAABYAAABMAAAAAAAAAAAAAAAEAAAAAAAAAAEAAACAgIAKAAAAACgAAAAoAAAAZAAAAGQAAAAAAAAAzMzMAAAAAABQAAAAUAAAAGQAAABkAAAAAAAAABcAAAAUAAAAAAAAANwIAAD/fwAA/38AAAAAAAAJAAAABAAAAAAAAAAMAAAAEAAAAAAAAAAAAAAAAAAAAAAAAAAeAAAAaAAAAAAAAAAAAAAAAAAAAAAAAAAAAAAAECcAABAnAAAAAAAAAAAAAAAAAAAAAAAAAAAAAAAAAAAAAAAAAAAAABQAAAAAAAAAwMD/AAAAAABkAAAAMgAAAAAAAABkAAAAAAAAAH9/fwAKAAAAHwAAAFQAAAC74OMF////AQAAAAAAAAAAAAAAAAAAAAAAAAAAAAAAAAAAAAAAAAAAAAAAAn9/fwCAgIADzMzMAMDA/wB/f38AAAAAAAAAAAAAAAAAAAAAAAAAAAAhAAAAGAAAABQAAACjGQAAqyAAAMojAABUJwAAEAAAACYAAAAIAAAA//////////8="/>
+                <pr:smNativeData xmlns:pr="smNativeData" val="SMDATA_13_gcGAXRMAAAAlAAAAEgAAAA8BAAAAkAAAAEgAAACQAAAASAAAAAAAAAAAAAAAAAAAAAEAAABQAAAAAAAAAAAA4D8AAAAAAADgPwAAAAAAAOA/AAAAAAAA4D8AAAAAAADgPwAAAAAAAOA/AAAAAAAA4D8AAAAAAADgPwAAAAAAAOA/AAAAAAAA4D8CAAAAjAAAAAAAAAAAAAAAu+DjDP///wgAAAAAAAAAAAAAAAAAAAAAAAAAAAAAAAAAAAAAZAAAAAEAAABAAAAAAAAAAAAAAAAAAAAAAAAAAAAAAAAAAAAAAAAAAAAAAAAAAAAAAAAAAAAAAAAAAAAAAAAAAAAAAAAAAAAAAAAAAAAAAAAAAAAAAAAAAAAAAAAAAAAAFAAAADwAAAAAAAAAAAAAAAAAAAkUAAAAAQAAABQAAAAUAAAAFAAAAAEAAAAAAAAAZAAAAGQAAAAAAAAAZAAAAGQAAAAVAAAAYAAAAAAAAAAAAAAADwAAACADAAAAAAAAAAAAAAEAAACgMgAAVgcAAKr4//8BAAAAf39/AAEAAABkAAAAAAAAABQAAABAHwAAAAAAACYAAAAAAAAAwOD//wAAAAAmAAAAZAAAABYAAABMAAAAAAAAAAAAAAAEAAAAAAAAAAEAAACAgIAKAAAAACgAAAAoAAAAZAAAAGQAAAAAAAAAzMzMAAAAAABQAAAAUAAAAGQAAABkAAAAAAAAABcAAAAUAAAAAAAAANwIAAD/fwAA/38AAAAAAAAJAAAABAAAAAAAAAAMAAAAEAAAAAAAAAAAAAAAAAAAAAAAAAAeAAAAaAAAAAAAAAAAAAAAAAAAAAAAAAAAAAAAECcAABAnAAAAAAAAAAAAAAAAAAAAAAAAAAAAAAAAAAAAAAAAAAAAABQAAAAAAAAAwMD/AAAAAABkAAAAMgAAAAAAAABkAAAAAAAAAH9/fwAKAAAAHwAAAFQAAAC74OMF////AQAAAAAAAAAAAAAAAAAAAAAAAAAAAAAAAAAAAAAAAAAAAAAAAn9/fwCAgIADzMzMAMDA/wB/f38AAAAAAAAAAAAAAAAAAAAAAAAAAAAhAAAAGAAAABQAAACjGQAAqyAAAMojAABUJwAAEAAAACYAAAAIAAAA//////////8="/>
               </a:ext>
             </a:extLst>
           </p:cNvSpPr>
@@ -19014,7 +19014,7 @@
           <p:cNvSpPr txBox="1">
             <a:extLst>
               <a:ext uri="smNativeData">
-                <pr:smNativeData xmlns:pr="smNativeData" val="SMDATA_13_IrKAXRMAAAAlAAAAEgAAAE8BAAAAkAAAAEgAAACQAAAASAAAAAAAAAAAAAAAAAAAAAEAAABQAAAAAAAAAAAA4D8AAAAAAADgPwAAAAAAAOA/AAAAAAAA4D8AAAAAAADgPwAAAAAAAOA/AAAAAAAA4D8AAAAAAADgPwAAAAAAAOA/AAAAAAAA4D8CAAAAjAAAAAAAAAAAAAAAu+DjDP///wgAAAAAAAAAAAAAAAAAAAAAAAAAAAAAAAAAAAAAZAAAAAEAAABAAAAAAAAAAAAAAAAAAAAAAAAAAAAAAAAAAAAAAAAAAAAAAAAAAAAAAAAAAAAAAAAAAAAAAAAAAAAAAAAAAAAAAAAAAAAAAAAAAAAAAAAAAAAAAAAAAAAAFAAAADwAAAAAAAAAAAAAAAAAAAkUAAAAAQAAABQAAAAUAAAAFAAAAAEAAAAAAAAAZAAAAGQAAAAAAAAAZAAAAGQAAAAVAAAAYAAAAAAAAAAAAAAADwAAACADAAAAAAAAAAAAAAEAAACgMgAAVgcAAKr4//8BAAAAf39/AAEAAABkAAAAAAAAABQAAABAHwAAAAAAACYAAAAAAAAAwOD//wAAAAAmAAAAZAAAABYAAABMAAAAAAAAAAAAAAAEAAAAAAAAAAEAAACAgIAKAAAAACgAAAAoAAAAZAAAAGQAAAAAAAAAzMzMAAAAAABQAAAAUAAAAGQAAABkAAAAAAAAABcAAAAUAAAAAAAAANwIAAD/fwAA/38AAAAAAAAJAAAABAAAAMMCAAAMAAAAEAAAAAAAAAAAAAAAAAAAAAAAAAAeAAAAaAAAAAAAAAAAAAAAAAAAAAAAAAAAAAAAECcAABAnAAAAAAAAAAAAAAAAAAAAAAAAAAAAAAAAAAAAAAAAAAAAABQAAAAAAAAAwMD/AAAAAABkAAAAMgAAAAAAAABkAAAAAAAAAH9/fwAKAAAAHwAAAFQAAAC74OMF////AQAAAAAAAAAAAAAAAAAAAAAAAAAAAAAAAAAAAAAAAAAAAAAAAn9/fwCAgIADzMzMAMDA/wB/f38AAAAAAAAAAAAAAAAAAAAAAAAAAAAhAAAAGAAAABQAAAAVDQAAqBYAAGkSAADoGAAAECAAACYAAAAIAAAA//////////8="/>
+                <pr:smNativeData xmlns:pr="smNativeData" val="SMDATA_13_gcGAXRMAAAAlAAAAEgAAAE8BAAAAkAAAAEgAAACQAAAASAAAAAAAAAAAAAAAAAAAAAEAAABQAAAAAAAAAAAA4D8AAAAAAADgPwAAAAAAAOA/AAAAAAAA4D8AAAAAAADgPwAAAAAAAOA/AAAAAAAA4D8AAAAAAADgPwAAAAAAAOA/AAAAAAAA4D8CAAAAjAAAAAAAAAAAAAAAu+DjDP///wgAAAAAAAAAAAAAAAAAAAAAAAAAAAAAAAAAAAAAZAAAAAEAAABAAAAAAAAAAAAAAAAAAAAAAAAAAAAAAAAAAAAAAAAAAAAAAAAAAAAAAAAAAAAAAAAAAAAAAAAAAAAAAAAAAAAAAAAAAAAAAAAAAAAAAAAAAAAAAAAAAAAAFAAAADwAAAAAAAAAAAAAAAAAAAkUAAAAAQAAABQAAAAUAAAAFAAAAAEAAAAAAAAAZAAAAGQAAAAAAAAAZAAAAGQAAAAVAAAAYAAAAAAAAAAAAAAADwAAACADAAAAAAAAAAAAAAEAAACgMgAAVgcAAKr4//8BAAAAf39/AAEAAABkAAAAAAAAABQAAABAHwAAAAAAACYAAAAAAAAAwOD//wAAAAAmAAAAZAAAABYAAABMAAAAAAAAAAAAAAAEAAAAAAAAAAEAAACAgIAKAAAAACgAAAAoAAAAZAAAAGQAAAAAAAAAzMzMAAAAAABQAAAAUAAAAGQAAABkAAAAAAAAABcAAAAUAAAAAAAAANwIAAD/fwAA/38AAAAAAAAJAAAABAAAAMMCAAAMAAAAEAAAAAAAAAAAAAAAAAAAAAAAAAAeAAAAaAAAAAAAAAAAAAAAAAAAAAAAAAAAAAAAECcAABAnAAAAAAAAAAAAAAAAAAAAAAAAAAAAAAAAAAAAAAAAAAAAABQAAAAAAAAAwMD/AAAAAABkAAAAMgAAAAAAAABkAAAAAAAAAH9/fwAKAAAAHwAAAFQAAAC74OMF////AQAAAAAAAAAAAAAAAAAAAAAAAAAAAAAAAAAAAAAAAAAAAAAAAn9/fwCAgIADzMzMAMDA/wB/f38AAAAAAAAAAAAAAAAAAAAAAAAAAAAhAAAAGAAAABQAAAAVDQAAqBYAAGkSAADoGAAAECAAACYAAAAIAAAA//////////8="/>
               </a:ext>
             </a:extLst>
           </p:cNvSpPr>
@@ -19060,7 +19060,7 @@
           <p:cNvSpPr txBox="1">
             <a:extLst>
               <a:ext uri="smNativeData">
-                <pr:smNativeData xmlns:pr="smNativeData" val="SMDATA_13_IrKAXRMAAAAlAAAAEgAAAE8BAAAAkAAAAEgAAACQAAAASAAAAAAAAAAAAAAAAAAAAAEAAABQAAAAAAAAAAAA4D8AAAAAAADgPwAAAAAAAOA/AAAAAAAA4D8AAAAAAADgPwAAAAAAAOA/AAAAAAAA4D8AAAAAAADgPwAAAAAAAOA/AAAAAAAA4D8CAAAAjAAAAAAAAAAAAAAAu+DjDP///wgAAAAAAAAAAAAAAAAAAAAAAAAAAAAAAAAAAAAAZAAAAAEAAABAAAAAAAAAAAAAAAAAAAAAAAAAAAAAAAAAAAAAAAAAAAAAAAAAAAAAAAAAAAAAAAAAAAAAAAAAAAAAAAAAAAAAAAAAAAAAAAAAAAAAAAAAAAAAAAAAAAAAFAAAADwAAAAAAAAAAAAAAAAAAAkUAAAAAQAAABQAAAAUAAAAFAAAAAEAAAAAAAAAZAAAAGQAAAAAAAAAZAAAAGQAAAAVAAAAYAAAAAAAAAAAAAAADwAAACADAAAAAAAAAAAAAAEAAACgMgAAVgcAAKr4//8BAAAAf39/AAEAAABkAAAAAAAAABQAAABAHwAAAAAAACYAAAAAAAAAwOD//wAAAAAmAAAAZAAAABYAAABMAAAAAAAAAAAAAAAEAAAAAAAAAAEAAACAgIAKAAAAACgAAAAoAAAAZAAAAGQAAAAAAAAAzMzMAAAAAABQAAAAUAAAAGQAAABkAAAAAAAAABcAAAAUAAAAAAAAANwIAAD/fwAA/38AAAAAAAAJAAAABAAAAAAAAAAMAAAAEAAAAAAAAAAAAAAAAAAAAAAAAAAeAAAAaAAAAAAAAAAAAAAAAAAAAAAAAAAAAAAAECcAABAnAAAAAAAAAAAAAAAAAAAAAAAAAAAAAAAAAAAAAAAAAAAAABQAAAAAAAAAwMD/AAAAAABkAAAAMgAAAAAAAABkAAAAAAAAAH9/fwAKAAAAHwAAAFQAAAC74OMF////AQAAAAAAAAAAAAAAAAAAAAAAAAAAAAAAAAAAAAAAAAAAAAAAAn9/fwCAgIADzMzMAMDA/wB/f38AAAAAAAAAAAAAAAAAAAAAAAAAAAAhAAAAGAAAABQAAACPGAAALgsAAOskAAC+DgAAECAAACYAAAAIAAAA//////////8="/>
+                <pr:smNativeData xmlns:pr="smNativeData" val="SMDATA_13_gcGAXRMAAAAlAAAAEgAAAE8BAAAAkAAAAEgAAACQAAAASAAAAAAAAAAAAAAAAAAAAAEAAABQAAAAAAAAAAAA4D8AAAAAAADgPwAAAAAAAOA/AAAAAAAA4D8AAAAAAADgPwAAAAAAAOA/AAAAAAAA4D8AAAAAAADgPwAAAAAAAOA/AAAAAAAA4D8CAAAAjAAAAAAAAAAAAAAAu+DjDP///wgAAAAAAAAAAAAAAAAAAAAAAAAAAAAAAAAAAAAAZAAAAAEAAABAAAAAAAAAAAAAAAAAAAAAAAAAAAAAAAAAAAAAAAAAAAAAAAAAAAAAAAAAAAAAAAAAAAAAAAAAAAAAAAAAAAAAAAAAAAAAAAAAAAAAAAAAAAAAAAAAAAAAFAAAADwAAAAAAAAAAAAAAAAAAAkUAAAAAQAAABQAAAAUAAAAFAAAAAEAAAAAAAAAZAAAAGQAAAAAAAAAZAAAAGQAAAAVAAAAYAAAAAAAAAAAAAAADwAAACADAAAAAAAAAAAAAAEAAACgMgAAVgcAAKr4//8BAAAAf39/AAEAAABkAAAAAAAAABQAAABAHwAAAAAAACYAAAAAAAAAwOD//wAAAAAmAAAAZAAAABYAAABMAAAAAAAAAAAAAAAEAAAAAAAAAAEAAACAgIAKAAAAACgAAAAoAAAAZAAAAGQAAAAAAAAAzMzMAAAAAABQAAAAUAAAAGQAAABkAAAAAAAAABcAAAAUAAAAAAAAANwIAAD/fwAA/38AAAAAAAAJAAAABAAAAAAAAAAMAAAAEAAAAAAAAAAAAAAAAAAAAAAAAAAeAAAAaAAAAAAAAAAAAAAAAAAAAAAAAAAAAAAAECcAABAnAAAAAAAAAAAAAAAAAAAAAAAAAAAAAAAAAAAAAAAAAAAAABQAAAAAAAAAwMD/AAAAAABkAAAAMgAAAAAAAABkAAAAAAAAAH9/fwAKAAAAHwAAAFQAAAC74OMF////AQAAAAAAAAAAAAAAAAAAAAAAAAAAAAAAAAAAAAAAAAAAAAAAAn9/fwCAgIADzMzMAMDA/wB/f38AAAAAAAAAAAAAAAAAAAAAAAAAAAAhAAAAGAAAABQAAACPGAAALgsAAOskAAC+DgAAECAAACYAAAAIAAAA//////////8="/>
               </a:ext>
             </a:extLst>
           </p:cNvSpPr>
@@ -19106,7 +19106,7 @@
           <p:cNvSpPr txBox="1">
             <a:extLst>
               <a:ext uri="smNativeData">
-                <pr:smNativeData xmlns:pr="smNativeData" val="SMDATA_13_IrKAXRMAAAAlAAAAEgAAAE8BAAAAkAAAAEgAAACQAAAASAAAAAAAAAAAAAAAAAAAAAEAAABQAAAAAAAAAAAA4D8AAAAAAADgPwAAAAAAAOA/AAAAAAAA4D8AAAAAAADgPwAAAAAAAOA/AAAAAAAA4D8AAAAAAADgPwAAAAAAAOA/AAAAAAAA4D8CAAAAjAAAAAAAAAAAAAAAu+DjDP///wgAAAAAAAAAAAAAAAAAAAAAAAAAAAAAAAAAAAAAZAAAAAEAAABAAAAAAAAAAAAAAAAAAAAAAAAAAAAAAAAAAAAAAAAAAAAAAAAAAAAAAAAAAAAAAAAAAAAAAAAAAAAAAAAAAAAAAAAAAAAAAAAAAAAAAAAAAAAAAAAAAAAAFAAAADwAAAAAAAAAAAAAAAAAAAkUAAAAAQAAABQAAAAUAAAAFAAAAAEAAAAAAAAAZAAAAGQAAAAAAAAAZAAAAGQAAAAVAAAAYAAAAAAAAAAAAAAADwAAACADAAAAAAAAAAAAAAEAAACgMgAAVgcAAKr4//8BAAAAf39/AAEAAABkAAAAAAAAABQAAABAHwAAAAAAACYAAAAAAAAAwOD//wAAAAAmAAAAZAAAABYAAABMAAAAAAAAAAAAAAAEAAAAAAAAAAEAAACAgIAKAAAAACgAAAAoAAAAZAAAAGQAAAAAAAAAzMzMAAAAAABQAAAAUAAAAGQAAABkAAAAAAAAABcAAAAUAAAAAAAAANwIAAD/fwAA/38AAAAAAAAJAAAABAAAAAAAAAAMAAAAEAAAAAAAAAAAAAAAAAAAAAAAAAAeAAAAaAAAAAAAAAAAAAAAAAAAAAAAAAAAAAAAECcAABAnAAAAAAAAAAAAAAAAAAAAAAAAAAAAAAAAAAAAAAAAAAAAABQAAAAAAAAAwMD/AAAAAABkAAAAMgAAAAAAAABkAAAAAAAAAH9/fwAKAAAAHwAAAFQAAAC74OMF////AQAAAAAAAAAAAAAAAAAAAAAAAAAAAAAAAAAAAAAAAAAAAAAAAn9/fwCAgIADzMzMAMDA/wB/f38AAAAAAAAAAAAAAAAAAAAAAAAAAAAhAAAAGAAAABQAAADzKwAADhcAAM80AABOGQAAECAAACYAAAAIAAAA//////////8="/>
+                <pr:smNativeData xmlns:pr="smNativeData" val="SMDATA_13_gcGAXRMAAAAlAAAAEgAAAE8BAAAAkAAAAEgAAACQAAAASAAAAAAAAAAAAAAAAAAAAAEAAABQAAAAAAAAAAAA4D8AAAAAAADgPwAAAAAAAOA/AAAAAAAA4D8AAAAAAADgPwAAAAAAAOA/AAAAAAAA4D8AAAAAAADgPwAAAAAAAOA/AAAAAAAA4D8CAAAAjAAAAAAAAAAAAAAAu+DjDP///wgAAAAAAAAAAAAAAAAAAAAAAAAAAAAAAAAAAAAAZAAAAAEAAABAAAAAAAAAAAAAAAAAAAAAAAAAAAAAAAAAAAAAAAAAAAAAAAAAAAAAAAAAAAAAAAAAAAAAAAAAAAAAAAAAAAAAAAAAAAAAAAAAAAAAAAAAAAAAAAAAAAAAFAAAADwAAAAAAAAAAAAAAAAAAAkUAAAAAQAAABQAAAAUAAAAFAAAAAEAAAAAAAAAZAAAAGQAAAAAAAAAZAAAAGQAAAAVAAAAYAAAAAAAAAAAAAAADwAAACADAAAAAAAAAAAAAAEAAACgMgAAVgcAAKr4//8BAAAAf39/AAEAAABkAAAAAAAAABQAAABAHwAAAAAAACYAAAAAAAAAwOD//wAAAAAmAAAAZAAAABYAAABMAAAAAAAAAAAAAAAEAAAAAAAAAAEAAACAgIAKAAAAACgAAAAoAAAAZAAAAGQAAAAAAAAAzMzMAAAAAABQAAAAUAAAAGQAAABkAAAAAAAAABcAAAAUAAAAAAAAANwIAAD/fwAA/38AAAAAAAAJAAAABAAAAAAAAAAMAAAAEAAAAAAAAAAAAAAAAAAAAAAAAAAeAAAAaAAAAAAAAAAAAAAAAAAAAAAAAAAAAAAAECcAABAnAAAAAAAAAAAAAAAAAAAAAAAAAAAAAAAAAAAAAAAAAAAAABQAAAAAAAAAwMD/AAAAAABkAAAAMgAAAAAAAABkAAAAAAAAAH9/fwAKAAAAHwAAAFQAAAC74OMF////AQAAAAAAAAAAAAAAAAAAAAAAAAAAAAAAAAAAAAAAAAAAAAAAAn9/fwCAgIADzMzMAMDA/wB/f38AAAAAAAAAAAAAAAAAAAAAAAAAAAAhAAAAGAAAABQAAADzKwAADhcAAM80AABOGQAAECAAACYAAAAIAAAA//////////8="/>
               </a:ext>
             </a:extLst>
           </p:cNvSpPr>
@@ -19152,7 +19152,7 @@
           <p:cNvSpPr txBox="1">
             <a:extLst>
               <a:ext uri="smNativeData">
-                <pr:smNativeData xmlns:pr="smNativeData" val="SMDATA_13_IrKAXRMAAAAlAAAAEgAAAE8BAAAAkAAAAEgAAACQAAAASAAAAAAAAAAAAAAAAAAAAAEAAABQAAAAAAAAAAAA4D8AAAAAAADgPwAAAAAAAOA/AAAAAAAA4D8AAAAAAADgPwAAAAAAAOA/AAAAAAAA4D8AAAAAAADgPwAAAAAAAOA/AAAAAAAA4D8CAAAAjAAAAAAAAAAAAAAAu+DjDP///wgAAAAAAAAAAAAAAAAAAAAAAAAAAAAAAAAAAAAAZAAAAAEAAABAAAAAAAAAAAAAAAAAAAAAAAAAAAAAAAAAAAAAAAAAAAAAAAAAAAAAAAAAAAAAAAAAAAAAAAAAAAAAAAAAAAAAAAAAAAAAAAAAAAAAAAAAAAAAAAAAAAAAFAAAADwAAAAAAAAAAAAAAAAAAAkUAAAAAQAAABQAAAAUAAAAFAAAAAEAAAAAAAAAZAAAAGQAAAAAAAAAZAAAAGQAAAAVAAAAYAAAAAAAAAAAAAAADwAAACADAAAAAAAAAAAAAAEAAACgMgAAVgcAAKr4//8BAAAAf39/AAEAAABkAAAAAAAAABQAAABAHwAAAAAAACYAAAAAAAAAwOD//wAAAAAmAAAAZAAAABYAAABMAAAAAAAAAAAAAAAEAAAAAAAAAAEAAACAgIAKAAAAACgAAAAoAAAAZAAAAGQAAAAAAAAAzMzMAAAAAABQAAAAUAAAAGQAAABkAAAAAAAAABcAAAAUAAAAAAAAANwIAAD/fwAA/38AAAAAAAAJAAAABAAAAAAAAAAMAAAAEAAAAAAAAAAAAAAAAAAAAAAAAAAeAAAAaAAAAAAAAAAAAAAAAAAAAAAAAAAAAAAAECcAABAnAAAAAAAAAAAAAAAAAAAAAAAAAAAAAAAAAAAAAAAAAAAAABQAAAAAAAAAwMD/AAAAAABkAAAAMgAAAAAAAABkAAAAAAAAAH9/fwAKAAAAHwAAAFQAAAC74OMF////AQAAAAAAAAAAAAAAAAAAAAAAAAAAAAAAAAAAAAAAAAAAAAAAAn9/fwCAgIADzMzMAMDA/wB/f38AAAAAAAAAAAAAAAAAAAAAAAAAAAAhAAAAGAAAABQAAACPGAAAMBoAAOskAADAHQAAECAAACYAAAAIAAAA//////////8="/>
+                <pr:smNativeData xmlns:pr="smNativeData" val="SMDATA_13_gcGAXRMAAAAlAAAAEgAAAE8BAAAAkAAAAEgAAACQAAAASAAAAAAAAAAAAAAAAAAAAAEAAABQAAAAAAAAAAAA4D8AAAAAAADgPwAAAAAAAOA/AAAAAAAA4D8AAAAAAADgPwAAAAAAAOA/AAAAAAAA4D8AAAAAAADgPwAAAAAAAOA/AAAAAAAA4D8CAAAAjAAAAAAAAAAAAAAAu+DjDP///wgAAAAAAAAAAAAAAAAAAAAAAAAAAAAAAAAAAAAAZAAAAAEAAABAAAAAAAAAAAAAAAAAAAAAAAAAAAAAAAAAAAAAAAAAAAAAAAAAAAAAAAAAAAAAAAAAAAAAAAAAAAAAAAAAAAAAAAAAAAAAAAAAAAAAAAAAAAAAAAAAAAAAFAAAADwAAAAAAAAAAAAAAAAAAAkUAAAAAQAAABQAAAAUAAAAFAAAAAEAAAAAAAAAZAAAAGQAAAAAAAAAZAAAAGQAAAAVAAAAYAAAAAAAAAAAAAAADwAAACADAAAAAAAAAAAAAAEAAACgMgAAVgcAAKr4//8BAAAAf39/AAEAAABkAAAAAAAAABQAAABAHwAAAAAAACYAAAAAAAAAwOD//wAAAAAmAAAAZAAAABYAAABMAAAAAAAAAAAAAAAEAAAAAAAAAAEAAACAgIAKAAAAACgAAAAoAAAAZAAAAGQAAAAAAAAAzMzMAAAAAABQAAAAUAAAAGQAAABkAAAAAAAAABcAAAAUAAAAAAAAANwIAAD/fwAA/38AAAAAAAAJAAAABAAAAAAAAAAMAAAAEAAAAAAAAAAAAAAAAAAAAAAAAAAeAAAAaAAAAAAAAAAAAAAAAAAAAAAAAAAAAAAAECcAABAnAAAAAAAAAAAAAAAAAAAAAAAAAAAAAAAAAAAAAAAAAAAAABQAAAAAAAAAwMD/AAAAAABkAAAAMgAAAAAAAABkAAAAAAAAAH9/fwAKAAAAHwAAAFQAAAC74OMF////AQAAAAAAAAAAAAAAAAAAAAAAAAAAAAAAAAAAAAAAAAAAAAAAAn9/fwCAgIADzMzMAMDA/wB/f38AAAAAAAAAAAAAAAAAAAAAAAAAAAAhAAAAGAAAABQAAACPGAAAMBoAAOskAADAHQAAECAAACYAAAAIAAAA//////////8="/>
               </a:ext>
             </a:extLst>
           </p:cNvSpPr>
@@ -19198,7 +19198,7 @@
           <p:cNvSpPr txBox="1">
             <a:extLst>
               <a:ext uri="smNativeData">
-                <pr:smNativeData xmlns:pr="smNativeData" val="SMDATA_13_IrKAXRMAAAAlAAAAEgAAAA8BAAAAkAAAAEgAAACQAAAASAAAAAAAAAAAAAAAAAAAAAEAAABQAAAAAAAAAAAA4D8AAAAAAADgPwAAAAAAAOA/AAAAAAAA4D8AAAAAAADgPwAAAAAAAOA/AAAAAAAA4D8AAAAAAADgPwAAAAAAAOA/AAAAAAAA4D8CAAAAjAAAAAAAAAAAAAAAu+DjDP///wgAAAAAAAAAAAAAAAAAAAAAAAAAAAAAAAAAAAAAZAAAAAEAAABAAAAAAAAAAAAAAAAAAAAAAAAAAAAAAAAAAAAAAAAAAAAAAAAAAAAAAAAAAAAAAAAAAAAAAAAAAAAAAAAAAAAAAAAAAAAAAAAAAAAAAAAAAAAAAAAAAAAAFAAAADwAAAAAAAAAAAAAAAAAAAkUAAAAAQAAABQAAAAUAAAAFAAAAAEAAAAAAAAAZAAAAGQAAAAAAAAAZAAAAGQAAAAVAAAAYAAAAAAAAAAAAAAADwAAACADAAAAAAAAAAAAAAEAAACgMgAAVgcAAKr4//8BAAAAf39/AAEAAABkAAAAAAAAABQAAABAHwAAAAAAACYAAAAAAAAAwOD//wAAAAAmAAAAZAAAABYAAABMAAAAAAAAAAAAAAAEAAAAAAAAAAEAAACAgIAKAAAAACgAAAAoAAAAZAAAAGQAAAAAAAAAzMzMAAAAAABQAAAAUAAAAGQAAABkAAAAAAAAABcAAAAUAAAAAAAAANwIAAD/fwAA/38AAAAAAAAJAAAABAAAAAAAAAAMAAAAEAAAAAAAAAAAAAAAAAAAAAAAAAAeAAAAaAAAAAAAAAAAAAAAAAAAAAAAAAAAAAAAECcAABAnAAAAAAAAAAAAAAAAAAAAAAAAAAAAAAAAAAAAAAAAAAAAABQAAAAAAAAAwMD/AAAAAABkAAAAMgAAAAAAAABkAAAAAAAAAH9/fwAKAAAAHwAAAFQAAAC74OMF////AQAAAAAAAAAAAAAAAAAAAAAAAAAAAAAAAAAAAAAAAAAAAAAAAn9/fwCAgIADzMzMAMDA/wB/f38AAAAAAAAAAAAAAAAAAAAAAAAAAAAhAAAAGAAAABQAAABzDwAAgxsAAB4YAADIJAAAEAAAACYAAAAIAAAA//////////8="/>
+                <pr:smNativeData xmlns:pr="smNativeData" val="SMDATA_13_gcGAXRMAAAAlAAAAEgAAAA8BAAAAkAAAAEgAAACQAAAASAAAAAAAAAAAAAAAAAAAAAEAAABQAAAAAAAAAAAA4D8AAAAAAADgPwAAAAAAAOA/AAAAAAAA4D8AAAAAAADgPwAAAAAAAOA/AAAAAAAA4D8AAAAAAADgPwAAAAAAAOA/AAAAAAAA4D8CAAAAjAAAAAAAAAAAAAAAu+DjDP///wgAAAAAAAAAAAAAAAAAAAAAAAAAAAAAAAAAAAAAZAAAAAEAAABAAAAAAAAAAAAAAAAAAAAAAAAAAAAAAAAAAAAAAAAAAAAAAAAAAAAAAAAAAAAAAAAAAAAAAAAAAAAAAAAAAAAAAAAAAAAAAAAAAAAAAAAAAAAAAAAAAAAAFAAAADwAAAAAAAAAAAAAAAAAAAkUAAAAAQAAABQAAAAUAAAAFAAAAAEAAAAAAAAAZAAAAGQAAAAAAAAAZAAAAGQAAAAVAAAAYAAAAAAAAAAAAAAADwAAACADAAAAAAAAAAAAAAEAAACgMgAAVgcAAKr4//8BAAAAf39/AAEAAABkAAAAAAAAABQAAABAHwAAAAAAACYAAAAAAAAAwOD//wAAAAAmAAAAZAAAABYAAABMAAAAAAAAAAAAAAAEAAAAAAAAAAEAAACAgIAKAAAAACgAAAAoAAAAZAAAAGQAAAAAAAAAzMzMAAAAAABQAAAAUAAAAGQAAABkAAAAAAAAABcAAAAUAAAAAAAAANwIAAD/fwAA/38AAAAAAAAJAAAABAAAAAAAAAAMAAAAEAAAAAAAAAAAAAAAAAAAAAAAAAAeAAAAaAAAAAAAAAAAAAAAAAAAAAAAAAAAAAAAECcAABAnAAAAAAAAAAAAAAAAAAAAAAAAAAAAAAAAAAAAAAAAAAAAABQAAAAAAAAAwMD/AAAAAABkAAAAMgAAAAAAAABkAAAAAAAAAH9/fwAKAAAAHwAAAFQAAAC74OMF////AQAAAAAAAAAAAAAAAAAAAAAAAAAAAAAAAAAAAAAAAAAAAAAAAn9/fwCAgIADzMzMAMDA/wB/f38AAAAAAAAAAAAAAAAAAAAAAAAAAAAhAAAAGAAAABQAAABzDwAAgxsAAB4YAADIJAAAEAAAACYAAAAIAAAA//////////8="/>
               </a:ext>
             </a:extLst>
           </p:cNvSpPr>
@@ -19244,7 +19244,7 @@
           <p:cNvSpPr txBox="1">
             <a:extLst>
               <a:ext uri="smNativeData">
-                <pr:smNativeData xmlns:pr="smNativeData" val="SMDATA_13_IrKAXRMAAAAlAAAAEgAAAA8BAAAAkAAAAEgAAACQAAAASAAAAAAAAAAAAAAAAAAAAAEAAABQAAAAAAAAAAAA4D8AAAAAAADgPwAAAAAAAOA/AAAAAAAA4D8AAAAAAADgPwAAAAAAAOA/AAAAAAAA4D8AAAAAAADgPwAAAAAAAOA/AAAAAAAA4D8CAAAAjAAAAAAAAAAAAAAAu+DjDP///wgAAAAAAAAAAAAAAAAAAAAAAAAAAAAAAAAAAAAAZAAAAAEAAABAAAAAAAAAAAAAAAAAAAAAAAAAAAAAAAAAAAAAAAAAAAAAAAAAAAAAAAAAAAAAAAAAAAAAAAAAAAAAAAAAAAAAAAAAAAAAAAAAAAAAAAAAAAAAAAAAAAAAFAAAADwAAAAAAAAAAAAAAAAAAAkUAAAAAQAAABQAAAAUAAAAFAAAAAEAAAAAAAAAZAAAAGQAAAAAAAAAZAAAAGQAAAAVAAAAYAAAAAAAAAAAAAAADwAAACADAAAAAAAAAAAAAAEAAACgMgAAVgcAAKr4//8BAAAAf39/AAEAAABkAAAAAAAAABQAAABAHwAAAAAAACYAAAAAAAAAwOD//wAAAAAmAAAAZAAAABYAAABMAAAAAAAAAAAAAAAEAAAAAAAAAAEAAACAgIAKAAAAACgAAAAoAAAAZAAAAGQAAAAAAAAAzMzMAAAAAABQAAAAUAAAAGQAAABkAAAAAAAAABcAAAAUAAAAAAAAANwIAAD/fwAA/38AAAAAAAAJAAAABAAAACmCAAAMAAAAEAAAAAAAAAAAAAAAAAAAAAAAAAAeAAAAaAAAAAAAAAAAAAAAAAAAAAAAAAAAAAAAECcAABAnAAAAAAAAAAAAAAAAAAAAAAAAAAAAAAAAAAAAAAAAAAAAABQAAAAAAAAAwMD/AAAAAABkAAAAMgAAAAAAAABkAAAAAAAAAH9/fwAKAAAAHwAAAFQAAAC74OMF////AQAAAAAAAAAAAAAAAAAAAAAAAAAAAAAAAAAAAAAAAAAAAAAAAn9/fwCAgIADzMzMAMDA/wB/f38AAAAAAAAAAAAAAAAAAAAAAAAAAAAhAAAAGAAAABQAAAAgJwAA9BsAAMouAAAiIgAAEAAAACYAAAAIAAAA//////////8="/>
+                <pr:smNativeData xmlns:pr="smNativeData" val="SMDATA_13_gcGAXRMAAAAlAAAAEgAAAA8BAAAAkAAAAEgAAACQAAAASAAAAAAAAAAAAAAAAAAAAAEAAABQAAAAAAAAAAAA4D8AAAAAAADgPwAAAAAAAOA/AAAAAAAA4D8AAAAAAADgPwAAAAAAAOA/AAAAAAAA4D8AAAAAAADgPwAAAAAAAOA/AAAAAAAA4D8CAAAAjAAAAAAAAAAAAAAAu+DjDP///wgAAAAAAAAAAAAAAAAAAAAAAAAAAAAAAAAAAAAAZAAAAAEAAABAAAAAAAAAAAAAAAAAAAAAAAAAAAAAAAAAAAAAAAAAAAAAAAAAAAAAAAAAAAAAAAAAAAAAAAAAAAAAAAAAAAAAAAAAAAAAAAAAAAAAAAAAAAAAAAAAAAAAFAAAADwAAAAAAAAAAAAAAAAAAAkUAAAAAQAAABQAAAAUAAAAFAAAAAEAAAAAAAAAZAAAAGQAAAAAAAAAZAAAAGQAAAAVAAAAYAAAAAAAAAAAAAAADwAAACADAAAAAAAAAAAAAAEAAACgMgAAVgcAAKr4//8BAAAAf39/AAEAAABkAAAAAAAAABQAAABAHwAAAAAAACYAAAAAAAAAwOD//wAAAAAmAAAAZAAAABYAAABMAAAAAAAAAAAAAAAEAAAAAAAAAAEAAACAgIAKAAAAACgAAAAoAAAAZAAAAGQAAAAAAAAAzMzMAAAAAABQAAAAUAAAAGQAAABkAAAAAAAAABcAAAAUAAAAAAAAANwIAAD/fwAA/38AAAAAAAAJAAAABAAAACmCAAAMAAAAEAAAAAAAAAAAAAAAAAAAAAAAAAAeAAAAaAAAAAAAAAAAAAAAAAAAAAAAAAAAAAAAECcAABAnAAAAAAAAAAAAAAAAAAAAAAAAAAAAAAAAAAAAAAAAAAAAABQAAAAAAAAAwMD/AAAAAABkAAAAMgAAAAAAAABkAAAAAAAAAH9/fwAKAAAAHwAAAFQAAAC74OMF////AQAAAAAAAAAAAAAAAAAAAAAAAAAAAAAAAAAAAAAAAAAAAAAAAn9/fwCAgIADzMzMAMDA/wB/f38AAAAAAAAAAAAAAAAAAAAAAAAAAAAhAAAAGAAAABQAAAAgJwAA9BsAAMouAAAiIgAAEAAAACYAAAAIAAAA//////////8="/>
               </a:ext>
             </a:extLst>
           </p:cNvSpPr>
@@ -19292,7 +19292,7 @@
           <p:cNvSpPr txBox="1">
             <a:extLst>
               <a:ext uri="smNativeData">
-                <pr:smNativeData xmlns:pr="smNativeData" val="SMDATA_13_IrKAXRMAAAAlAAAAEgAAAE8BAAAAkAAAAEgAAACQAAAASAAAAAAAAAAAAAAAAAAAAAEAAABQAAAAAAAAAAAA4D8AAAAAAADgPwAAAAAAAOA/AAAAAAAA4D8AAAAAAADgPwAAAAAAAOA/AAAAAAAA4D8AAAAAAADgPwAAAAAAAOA/AAAAAAAA4D8CAAAAjAAAAAAAAAAAAAAAu+DjDP///wgAAAAAAAAAAAAAAAAAAAAAAAAAAAAAAAAAAAAAZAAAAAEAAABAAAAAAAAAAAAAAAAAAAAAAAAAAAAAAAAAAAAAAAAAAAAAAAAAAAAAAAAAAAAAAAAAAAAAAAAAAAAAAAAAAAAAAAAAAAAAAAAAAAAAAAAAAAAAAAAAAAAAFAAAADwAAAAAAAAAAAAAAAAAAAkUAAAAAQAAABQAAAAUAAAAFAAAAAEAAAAAAAAAZAAAAGQAAAAAAAAAZAAAAGQAAAAVAAAAYAAAAAAAAAAAAAAADwAAACADAAAAAAAAAAAAAAEAAACgMgAAVgcAAKr4//8BAAAAf39/AAEAAABkAAAAAAAAABQAAABAHwAAAAAAACYAAAAAAAAAwOD//wAAAAAmAAAAZAAAABYAAABMAAAAAAAAAAAAAAAEAAAAAAAAAAEAAACAgIAKAAAAACgAAAAoAAAAZAAAAGQAAAAAAAAAzMzMAAAAAABQAAAAUAAAAGQAAABkAAAAAAAAABcAAAAUAAAAAAAAANwIAAD/fwAA/38AAAAAAAAJAAAABAAAADEALgAMAAAAEAAAAAAAAAAAAAAAAAAAAAAAAAAeAAAAaAAAAAAAAAAAAAAAAAAAAAAAAAAAAAAAECcAABAnAAAAAAAAAAAAAAAAAAAAAAAAAAAAAAAAAAAAAAAAAAAAABQAAAAAAAAAwMD/AAAAAABkAAAAMgAAAAAAAABkAAAAAAAAAH9/fwAKAAAAHwAAAFQAAAC74OMF////AQAAAAAAAAAAAAAAAAAAAAAAAAAAAAAAAAAAAAAAAAAAAAAAAn9/fwCAgIADzMzMAMDA/wB/f38AAAAAAAAAAAAAAAAAAAAAAAAAAAAhAAAAGAAAABQAAABqBAAA4QgAABY0AAAhCwAAECAAACYAAAAIAAAA//////////8="/>
+                <pr:smNativeData xmlns:pr="smNativeData" val="SMDATA_13_gcGAXRMAAAAlAAAAEgAAAE8BAAAAkAAAAEgAAACQAAAASAAAAAAAAAAAAAAAAAAAAAEAAABQAAAAAAAAAAAA4D8AAAAAAADgPwAAAAAAAOA/AAAAAAAA4D8AAAAAAADgPwAAAAAAAOA/AAAAAAAA4D8AAAAAAADgPwAAAAAAAOA/AAAAAAAA4D8CAAAAjAAAAAAAAAAAAAAAu+DjDP///wgAAAAAAAAAAAAAAAAAAAAAAAAAAAAAAAAAAAAAZAAAAAEAAABAAAAAAAAAAAAAAAAAAAAAAAAAAAAAAAAAAAAAAAAAAAAAAAAAAAAAAAAAAAAAAAAAAAAAAAAAAAAAAAAAAAAAAAAAAAAAAAAAAAAAAAAAAAAAAAAAAAAAFAAAADwAAAAAAAAAAAAAAAAAAAkUAAAAAQAAABQAAAAUAAAAFAAAAAEAAAAAAAAAZAAAAGQAAAAAAAAAZAAAAGQAAAAVAAAAYAAAAAAAAAAAAAAADwAAACADAAAAAAAAAAAAAAEAAACgMgAAVgcAAKr4//8BAAAAf39/AAEAAABkAAAAAAAAABQAAABAHwAAAAAAACYAAAAAAAAAwOD//wAAAAAmAAAAZAAAABYAAABMAAAAAAAAAAAAAAAEAAAAAAAAAAEAAACAgIAKAAAAACgAAAAoAAAAZAAAAGQAAAAAAAAAzMzMAAAAAABQAAAAUAAAAGQAAABkAAAAAAAAABcAAAAUAAAAAAAAANwIAAD/fwAA/38AAAAAAAAJAAAABAAAADEALgAMAAAAEAAAAAAAAAAAAAAAAAAAAAAAAAAeAAAAaAAAAAAAAAAAAAAAAAAAAAAAAAAAAAAAECcAABAnAAAAAAAAAAAAAAAAAAAAAAAAAAAAAAAAAAAAAAAAAAAAABQAAAAAAAAAwMD/AAAAAABkAAAAMgAAAAAAAABkAAAAAAAAAH9/fwAKAAAAHwAAAFQAAAC74OMF////AQAAAAAAAAAAAAAAAAAAAAAAAAAAAAAAAAAAAAAAAAAAAAAAAn9/fwCAgIADzMzMAMDA/wB/f38AAAAAAAAAAAAAAAAAAAAAAAAAAAAhAAAAGAAAABQAAABqBAAA4QgAABY0AAAhCwAAECAAACYAAAAIAAAA//////////8="/>
               </a:ext>
             </a:extLst>
           </p:cNvSpPr>
@@ -19338,7 +19338,7 @@
           <p:cNvSpPr>
             <a:extLst>
               <a:ext uri="smNativeData">
-                <pr:smNativeData xmlns:pr="smNativeData" val="SMDATA_13_IrKAXRMAAAAlAAAAZAAAAA8BAAAAkAAAAEgAAACQAAAASAAAAAAAAAAAAAAAAAAAAAEAAABQAAAAAAAAAAAA4D8AAAAAAADgPwAAAAAAAOA/AAAAAAAA4D8AAAAAAADgPwAAAAAAAOA/AAAAAAAA4D8AAAAAAADgPwAAAAAAAOA/AAAAAAAA4D8CAAAAjAAAAAEAAAAAAAAAHh4eAP///wgAAAAAAAAAAAAAAAAAAAAAAAAAAAAAAAAAAAAAZAAAAAEAAABAAAAAAAAAAAAAAAAAAAAAAAAAAAAAAAAAAAAAAAAAAAAAAAAAAAAAAAAAAAAAAAAAAAAAAAAAAAAAAAAAAAAAAAAAAAAAAAAAAAAAAAAAAAAAAAAAAAAAFAAAADwAAAAAAAAAAAAAAAAAAAkAAAAAAQAAAAAAAAAAAAAAAAAAAAAAAAAAAAAAZAAAAGQAAAAAAAAAZAAAAGQAAAAVAAAAYAAAAAAAAAAAAAAADwAAACADAAAAAAAAAAAAAAEAAACgMgAAAAAAAAAAAAABAAAAf39/AAEAAABkAAAAAAAAABQAAABAHwAAAAAAACYAAAAAAAAAwOD//wAAAAAmAAAAZAAAABYAAABMAAAAAAAAAAAAAAAEAAAAAAAAAAEAAACAgIAKAAAAACgAAAAoAAAAZAAAAGQAAAAAAAAAzMzMAAAAAABQAAAAUAAAAGQAAABkAAAAAAAAABcAAAAUAAAAAAAAAAAAAAD/fwAA/38AAAAAAAAJAAAABAAAAAAAAAAMAAAAEAAAAAAAAAAAAAAAAAAAAAAAAAAeAAAAaAAAAAAAAAAAAAAAAAAAAAAAAAAAAAAAECcAABAnAAAAAAAAAAAAAAAAAAAAAAAAAAAAAAAAAAAAAAAAAAAAABQAAAAAAAAAwMD/AAAAAABkAAAAMgAAAAAAAABkAAAAAAAAAH9/fwAKAAAAHwAAAFQAAAAeHh4A////AQAAAAAAAAAAAAAAAAAAAAAAAAAAAAAAAAAAAAAAAAAAAAAAAn9/fwCAgIADzMzMAMDA/wB/f38AAAAAAAAAAAAAAAAAAAAAAAAAAAAhAAAAGAAAABQAAAAAAAAAZQcAAEA4AAC4CAAAEAAAACYAAAAIAAAA//////////8="/>
+                <pr:smNativeData xmlns:pr="smNativeData" val="SMDATA_13_gcGAXRMAAAAlAAAAZAAAAA8BAAAAkAAAAEgAAACQAAAASAAAAAAAAAAAAAAAAAAAAAEAAABQAAAAAAAAAAAA4D8AAAAAAADgPwAAAAAAAOA/AAAAAAAA4D8AAAAAAADgPwAAAAAAAOA/AAAAAAAA4D8AAAAAAADgPwAAAAAAAOA/AAAAAAAA4D8CAAAAjAAAAAEAAAAAAAAAHh4eAP///wgAAAAAAAAAAAAAAAAAAAAAAAAAAAAAAAAAAAAAZAAAAAEAAABAAAAAAAAAAAAAAAAAAAAAAAAAAAAAAAAAAAAAAAAAAAAAAAAAAAAAAAAAAAAAAAAAAAAAAAAAAAAAAAAAAAAAAAAAAAAAAAAAAAAAAAAAAAAAAAAAAAAAFAAAADwAAAAAAAAAAAAAAAAAAAkAAAAAAQAAAAAAAAAAAAAAAAAAAAAAAAAAAAAAZAAAAGQAAAAAAAAAZAAAAGQAAAAVAAAAYAAAAAAAAAAAAAAADwAAACADAAAAAAAAAAAAAAEAAACgMgAAAAAAAAAAAAABAAAAf39/AAEAAABkAAAAAAAAABQAAABAHwAAAAAAACYAAAAAAAAAwOD//wAAAAAmAAAAZAAAABYAAABMAAAAAAAAAAAAAAAEAAAAAAAAAAEAAACAgIAKAAAAACgAAAAoAAAAZAAAAGQAAAAAAAAAzMzMAAAAAABQAAAAUAAAAGQAAABkAAAAAAAAABcAAAAUAAAAAAAAAAAAAAD/fwAA/38AAAAAAAAJAAAABAAAAAAAAAAMAAAAEAAAAAAAAAAAAAAAAAAAAAAAAAAeAAAAaAAAAAAAAAAAAAAAAAAAAAAAAAAAAAAAECcAABAnAAAAAAAAAAAAAAAAAAAAAAAAAAAAAAAAAAAAAAAAAAAAABQAAAAAAAAAwMD/AAAAAABkAAAAMgAAAAAAAABkAAAAAAAAAH9/fwAKAAAAHwAAAFQAAAAeHh4A////AQAAAAAAAAAAAAAAAAAAAAAAAAAAAAAAAAAAAAAAAAAAAAAAAn9/fwCAgIADzMzMAMDA/wB/f38AAAAAAAAAAAAAAAAAAAAAAAAAAAAhAAAAGAAAABQAAAAAAAAAZQcAAEA4AAC4CAAAEAAAACYAAAAIAAAA//////////8="/>
               </a:ext>
             </a:extLst>
           </p:cNvSpPr>
@@ -19368,7 +19368,7 @@
             <a:picLocks noChangeAspect="1"/>
             <a:extLst>
               <a:ext uri="smNativeData">
-                <pr:smNativeData xmlns:pr="smNativeData" val="SMDATA_15_IrKAXRMAAAAlAAAAEQAAAC8BAAAAkAAAAEgAAACQAAAASAAAAAAAAAAAAAAAAAAAAAEAAABQAAAAAAAAAAAA4D8AAAAAAADgPwAAAAAAAOA/AAAAAAAA4D8AAAAAAADgPwAAAAAAAOA/AAAAAAAA4D8AAAAAAADgPwAAAAAAAOA/AAAAAAAA4D8CAAAAjAAAAAAAAAAAAAAAu+DjDP///wgAAAAAAAAAAAAAAAAAAAAAAAAAAAAAAAAAAAAAZAAAAAEAAABAAAAAAAAAAAAAAAAAAAAAAAAAAAAAAAAAAAAAAAAAAAAAAAAAAAAAAAAAAAAAAAAAAAAAAAAAAAAAAAAAAAAAAAAAAAAAAAAAAAAAAAAAAAAAAAAAAAAAFAAAADwAAAAAAAAAAAAAAAAAAAkUAAAAAQAAABQAAAAUAAAAFAAAAAEAAAAAAAAAZAAAAGQAAAAAAAAAZAAAAGQAAAAVAAAAYAAAAAAAAAAAAAAADwAAACADAAAAAAAAAAAAAAEAAACgMgAAVgcAAKr4//8BAAAAf39/AAEAAABkAAAAAAAAABQAAABAHwAAAAAAACYAAAAAAAAAwOD//wAAAAAmAAAAZAAAABYAAABMAAAAAAAAAAAAAAAEAAAAAAAAAAEAAACAgIAKAAAAACgAAAAoAAAAZAAAAGQAAAAAAAAAzMzMAAAAAABQAAAAUAAAAGQAAABkAAAAAAAAAAcAAAA4AAAAAAAAAAAAAAAAAAAA////AAAAAAAAAAAAAAAAAAAAAAAAAAAAAAAAAAAAAABkAAAAZAAAAAAAAAAjAAAABAAAAGQAAAAXAAAAFAAAAAAAAAAAAAAA/38AAP9/AAAAAAAACQAAAAQAAAC4ubb5DAAAABAAAAAAAAAAAAAAAAAAAAAAAAAAHgAAAGgAAAAAAAAAAAAAAAAAAAAAAAAAAAAAABAnAAAQJwAAAAAAAAAAAAAAAAAAAAAAAAAAAAAAAAAAAAAAAAAAAAAUAAAAAAAAAMDA/wAAAAAAZAAAADIAAAAAAAAAZAAAAAAAAAB/f38ACgAAAB8AAABUAAAAu+DjBf///wEAAAAAAAAAAAAAAAAAAAAAAAAAAAAAAAAAAAAAAAAAAAAAAAJ/f38AgICAA8zMzADAwP8Af39/AAAAAAAAAAAAAAAAAP///wAAAAAAIQAAABgAAAAUAAAAJwUAAK0HAABpNQAATyoAABAAAAAmAAAACAAAAP//////////"/>
+                <pr:smNativeData xmlns:pr="smNativeData" val="SMDATA_15_gcGAXRMAAAAlAAAAEQAAAC8BAAAAkAAAAEgAAACQAAAASAAAAAAAAAAAAAAAAAAAAAEAAABQAAAAAAAAAAAA4D8AAAAAAADgPwAAAAAAAOA/AAAAAAAA4D8AAAAAAADgPwAAAAAAAOA/AAAAAAAA4D8AAAAAAADgPwAAAAAAAOA/AAAAAAAA4D8CAAAAjAAAAAAAAAAAAAAAu+DjDP///wgAAAAAAAAAAAAAAAAAAAAAAAAAAAAAAAAAAAAAZAAAAAEAAABAAAAAAAAAAAAAAAAAAAAAAAAAAAAAAAAAAAAAAAAAAAAAAAAAAAAAAAAAAAAAAAAAAAAAAAAAAAAAAAAAAAAAAAAAAAAAAAAAAAAAAAAAAAAAAAAAAAAAFAAAADwAAAAAAAAAAAAAAAAAAAkUAAAAAQAAABQAAAAUAAAAFAAAAAEAAAAAAAAAZAAAAGQAAAAAAAAAZAAAAGQAAAAVAAAAYAAAAAAAAAAAAAAADwAAACADAAAAAAAAAAAAAAEAAACgMgAAVgcAAKr4//8BAAAAf39/AAEAAABkAAAAAAAAABQAAABAHwAAAAAAACYAAAAAAAAAwOD//wAAAAAmAAAAZAAAABYAAABMAAAAAAAAAAAAAAAEAAAAAAAAAAEAAACAgIAKAAAAACgAAAAoAAAAZAAAAGQAAAAAAAAAzMzMAAAAAABQAAAAUAAAAGQAAABkAAAAAAAAAAcAAAA4AAAAAAAAAAAAAAAAAAAA////AAAAAAAAAAAAAAAAAAAAAAAAAAAAAAAAAAAAAABkAAAAZAAAAAAAAAAjAAAABAAAAGQAAAAXAAAAFAAAAAAAAAAAAAAA/38AAP9/AAAAAAAACQAAAAQAAAC4ubb5DAAAABAAAAAAAAAAAAAAAAAAAAAAAAAAHgAAAGgAAAAAAAAAAAAAAAAAAAAAAAAAAAAAABAnAAAQJwAAAAAAAAAAAAAAAAAAAAAAAAAAAAAAAAAAAAAAAAAAAAAUAAAAAAAAAMDA/wAAAAAAZAAAADIAAAAAAAAAZAAAAAAAAAB/f38ACgAAAB8AAABUAAAAu+DjBf///wEAAAAAAAAAAAAAAAAAAAAAAAAAAAAAAAAAAAAAAAAAAAAAAAJ/f38AgICAA8zMzADAwP8Af39/AAAAAAAAAAAAAAAAAP///wAAAAAAIQAAABgAAAAUAAAAJwUAAK0HAABpNQAATyoAABAAAAAmAAAACAAAAP//////////"/>
               </a:ext>
  